--- a/Diploma/User cases при использовании моделей.pptx
+++ b/Diploma/User cases при использовании моделей.pptx
@@ -243,7 +243,7 @@
             <a:spLocks noGrp="1" noChangeArrowheads="1"/>
             <a:extLst>
               <a:ext uri="smNativeData">
-                <pr:smNativeData xmlns:pr="smNativeData" xmlns="smNativeData" val="SMDATA_16_PryGZxMAAAAlAAAAZAAAAA8BAAAAkAAAAEgAAACQAAAASAAAAAAAAAABAAAAAAAAAAEAAABQAAAAAAAAAAAA4D8AAAAAAADgPwAAAAAAAOA/AAAAAAAA4D8AAAAAAADgPwAAAAAAAOA/AAAAAAAA4D8AAAAAAADgPwAAAAAAAOA/AAAAAAAA4D8CAAAAjAAAAAAAAAAAAAAAu+DjDP///wgAAAAAAAAAAAAAAAAAAAAAAAAAAAAAAAAAAAAAZAAAAAEAAABAAAAAAAAAAAAAAAAAAAAAAAAAAAAAAAAAAAAAAAAAAAAAAAAAAAAAAAAAAAAAAAAAAAAAAAAAAAAAAAAAAAAAAAAAAAAAAAAAAAAAAAAAAAAAAAAAAAAAFAAAADwAAAAAAAAAAAAAAAAAAAkUAAAAAQAAABQAAAAUAAAAFAAAAAEAAAAAAAAAZAAAAGQAAAAAAAAAZAAAAGQAAAAVAAAAYAAAAAAAAAAAAAAADwAAACADAAAAAAAAAAAAAAEAAACgMgAAVgcAAKr4//8BAAAAf39/AAEAAABkAAAAAAAAABQAAABAHwAAAAAAACYAAAAAAAAAwOD//wAAAAAmAAAAZAAAABYAAABMAAAAAAAAAAAAAAAEAAAAAAAAAAEAAACAgIAKAAAAACgAAAAoAAAAZAAAAGQAAAAAAAAAzMzMAAAAAABQAAAAUAAAAGQAAABkAAAAAAAAABcAAAAUAAAAAAAAAAAAAAD/fwAA/38AAAAAAAAJAAAABAAAAAAAAAAeAAAAaAAAAAAAAAAAAAAAAAAAAAAAAAAAAAAAECcAABAnAAAAAAAAAAAAAAAAAAAAAAAAAAAAAAAAAAAAAAAAAAAAABQAAAAAAAAAwMD/AAAAAABkAAAAMgAAAAAAAABkAAAAAAAAAH9/fwAKAAAAIgAAABgAAAAAAAAAAAAAAAAAAAAAAAAAAAAAAAAAAAAkAAAAJAAAAAAAAAAHAAAAAAAAAAAAAAAAAAAAAAAAAAAAAAAAAAAAf39/ACUAAABYAAAAAAAAAAAAAAAAAAAAAAAAAAAAAAAAAAAAAAAAAAAAAAAAAAAAAAAAAAAAAAA/AAAAAAAAAKCGAQAAAAAAAAAAAAAAAAAMAAAAAQAAAAAAAAAAAAAAAAAAAB8AAABUAAAAAAAABQAAAAEAAAAAAAAAAAAAAAAAAAAAAAAAAAAAAAAAAAAAAAAAAAAAAAJ/f38AAAAAA8zMzADAwP8Af39/AAAAAAAAAAAAAAAAAAAAAAAAAAAAIQAAABgAAAAUAAAAoAUAABoNAABgRQAAJhYAABAAAAAmAAAACAAAAAEAAAAAAAAAMAAAABQAAAAAAAAAAAD//wAAAQAAAP//AAABAA=="/>
+                <pr:smNativeData xmlns:pr="smNativeData" xmlns="smNativeData" val="SMDATA_16_a8OGZxMAAAAlAAAAZAAAAA8BAAAAkAAAAEgAAACQAAAASAAAAAAAAAABAAAAAAAAAAEAAABQAAAAAAAAAAAA4D8AAAAAAADgPwAAAAAAAOA/AAAAAAAA4D8AAAAAAADgPwAAAAAAAOA/AAAAAAAA4D8AAAAAAADgPwAAAAAAAOA/AAAAAAAA4D8CAAAAjAAAAAAAAAAAAAAAu+DjDP///wgAAAAAAAAAAAAAAAAAAAAAAAAAAAAAAAAAAAAAZAAAAAEAAABAAAAAAAAAAAAAAAAAAAAAAAAAAAAAAAAAAAAAAAAAAAAAAAAAAAAAAAAAAAAAAAAAAAAAAAAAAAAAAAAAAAAAAAAAAAAAAAAAAAAAAAAAAAAAAAAAAAAAFAAAADwAAAAAAAAAAAAAAAAAAAkUAAAAAQAAABQAAAAUAAAAFAAAAAEAAAAAAAAAZAAAAGQAAAAAAAAAZAAAAGQAAAAVAAAAYAAAAAAAAAAAAAAADwAAACADAAAAAAAAAAAAAAEAAACgMgAAVgcAAKr4//8BAAAAf39/AAEAAABkAAAAAAAAABQAAABAHwAAAAAAACYAAAAAAAAAwOD//wAAAAAmAAAAZAAAABYAAABMAAAAAAAAAAAAAAAEAAAAAAAAAAEAAACAgIAKAAAAACgAAAAoAAAAZAAAAGQAAAAAAAAAzMzMAAAAAABQAAAAUAAAAGQAAABkAAAAAAAAABcAAAAUAAAAAAAAAAAAAAD/fwAA/38AAAAAAAAJAAAABAAAAAAAAAAeAAAAaAAAAAAAAAAAAAAAAAAAAAAAAAAAAAAAECcAABAnAAAAAAAAAAAAAAAAAAAAAAAAAAAAAAAAAAAAAAAAAAAAABQAAAAAAAAAwMD/AAAAAABkAAAAMgAAAAAAAABkAAAAAAAAAH9/fwAKAAAAIgAAABgAAAAAAAAAAAAAAAAAAAAAAAAAAAAAAAAAAAAkAAAAJAAAAAAAAAAHAAAAAAAAAAAAAAAAAAAAAAAAAAAAAAAAAAAAf39/ACUAAABYAAAAAAAAAAAAAAAAAAAAAAAAAAAAAAAAAAAAAAAAAAAAAAAAAAAAAAAAAAAAAAA/AAAAAAAAAKCGAQAAAAAAAAAAAAAAAAAMAAAAAQAAAAAAAAAAAAAAAAAAAB8AAABUAAAAAAAABQAAAAEAAAAAAAAAAAAAAAAAAAAAAAAAAAAAAAAAAAAAAAAAAAAAAAJ/f38AAAAAA8zMzADAwP8Af39/AAAAAAAAAAAAAAAAAAAAAAAAAAAAIQAAABgAAAAUAAAAoAUAABoNAABgRQAAJhYAABAAAAAmAAAACAAAAAEAAAAAAAAAMAAAABQAAAAAAAAAAAD//wAAAQAAAP//AAABAA=="/>
               </a:ext>
             </a:extLst>
           </p:cNvSpPr>
@@ -275,7 +275,7 @@
             <a:spLocks noGrp="1" noChangeArrowheads="1"/>
             <a:extLst>
               <a:ext uri="smNativeData">
-                <pr:smNativeData xmlns:pr="smNativeData" xmlns="smNativeData" val="SMDATA_16_PryGZxMAAAAlAAAAZAAAAA8BAAAAkAAAAEgAAACQAAAASAAAAAAAAAAAAAAAAAAAAAEAAABQAAAAAAAAAAAA4D8AAAAAAADgPwAAAAAAAOA/AAAAAAAA4D8AAAAAAADgPwAAAAAAAOA/AAAAAAAA4D8AAAAAAADgPwAAAAAAAOA/AAAAAAAA4D8CAAAAjAAAAAAAAAAAAAAAu+DjDP///wgAAAAAAAAAAAAAAAAAAAAAAAAAAAAAAAAAAAAAZAAAAAEAAABAAAAAAAAAAAAAAAAAAAAAAAAAAAAAAAAAAAAAAAAAAAAAAAAAAAAAAAAAAAAAAAAAAAAAAAAAAAAAAAAAAAAAAAAAAAAAAAAAAAAAAAAAAAAAAAAAAAAAFAAAADwAAAAAAAAAAAAAAAAAAAkUAAAAAQAAABQAAAAUAAAAFAAAAAEAAAAAAAAAZAAAAGQAAAAAAAAAZAAAAGQAAAAVAAAAYAAAAAAAAAAAAAAADwAAACADAAAAAAAAAAAAAAEAAACgMgAAVgcAAKr4//8BAAAAf39/AAEAAABkAAAAAAAAABQAAABAHwAAAAAAACYAAAAAAAAAwOD//wAAAAAmAAAAZAAAABYAAABMAAAAAAAAAAAAAAAEAAAAAAAAAAEAAACAgIAKAAAAACgAAAAoAAAAZAAAAGQAAAAAAAAAzMzMAAAAAABQAAAAUAAAAGQAAABkAAAAAAAAABcAAAAUAAAAAAAAAAAAAAD/fwAA/38AAAAAAAAJAAAABAAAAAAAAAAeAAAAaAAAAAAAAAAAAAAAAAAAAAAAAAAAAAAAECcAABAnAAAAAAAAAAAAAAAAAAAAAAAAAAAAAAAAAAAAAAAAAAAAABQAAAAAAAAAwMD/AAAAAABkAAAAMgAAAAAAAABkAAAAAAAAAH9/fwAKAAAAIgAAABgAAAAAAAAAAAAAAAAAAAAAAAAAAAAAAAAAAAAkAAAAJAAAAAAAAAAHAAAAAAAAAAAAAAAAAAAAAAAAAAAAAAAAAAAAf39/ACUAAABYAAAAAAAAAAAAAAAAAAAAAAAAAAAAAAAAAAAAAAAAAAAAAAAAAAAAAAAAAAAAAAA/AAAAAAAAAKCGAQAAAAAAAAAAAAAAAAAMAAAAAQAAAAAAAAAAAAAAAAAAAB8AAABUAAAAAAAABQAAAAEAAAAAAAAAAAAAAAAAAAAAAAAAAAAAAAAAAAAAAAAAAAAAAAJ/f38AAAAAA8zMzADAwP8Af39/AAAAAAAAAAAAAAAAAAAAAAAAAAAAIQAAABgAAAAUAAAAQAsAAOgXAADAPwAAsCIAABAAAAAmAAAACAAAAAGAAAAAAAAAMAAAABQAAAAAAAAAAAD//wAAAQAAAP//AAABAA=="/>
+                <pr:smNativeData xmlns:pr="smNativeData" xmlns="smNativeData" val="SMDATA_16_a8OGZxMAAAAlAAAAZAAAAA8BAAAAkAAAAEgAAACQAAAASAAAAAAAAAAAAAAAAAAAAAEAAABQAAAAAAAAAAAA4D8AAAAAAADgPwAAAAAAAOA/AAAAAAAA4D8AAAAAAADgPwAAAAAAAOA/AAAAAAAA4D8AAAAAAADgPwAAAAAAAOA/AAAAAAAA4D8CAAAAjAAAAAAAAAAAAAAAu+DjDP///wgAAAAAAAAAAAAAAAAAAAAAAAAAAAAAAAAAAAAAZAAAAAEAAABAAAAAAAAAAAAAAAAAAAAAAAAAAAAAAAAAAAAAAAAAAAAAAAAAAAAAAAAAAAAAAAAAAAAAAAAAAAAAAAAAAAAAAAAAAAAAAAAAAAAAAAAAAAAAAAAAAAAAFAAAADwAAAAAAAAAAAAAAAAAAAkUAAAAAQAAABQAAAAUAAAAFAAAAAEAAAAAAAAAZAAAAGQAAAAAAAAAZAAAAGQAAAAVAAAAYAAAAAAAAAAAAAAADwAAACADAAAAAAAAAAAAAAEAAACgMgAAVgcAAKr4//8BAAAAf39/AAEAAABkAAAAAAAAABQAAABAHwAAAAAAACYAAAAAAAAAwOD//wAAAAAmAAAAZAAAABYAAABMAAAAAAAAAAAAAAAEAAAAAAAAAAEAAACAgIAKAAAAACgAAAAoAAAAZAAAAGQAAAAAAAAAzMzMAAAAAABQAAAAUAAAAGQAAABkAAAAAAAAABcAAAAUAAAAAAAAAAAAAAD/fwAA/38AAAAAAAAJAAAABAAAAAAAAAAeAAAAaAAAAAAAAAAAAAAAAAAAAAAAAAAAAAAAECcAABAnAAAAAAAAAAAAAAAAAAAAAAAAAAAAAAAAAAAAAAAAAAAAABQAAAAAAAAAwMD/AAAAAABkAAAAMgAAAAAAAABkAAAAAAAAAH9/fwAKAAAAIgAAABgAAAAAAAAAAAAAAAAAAAAAAAAAAAAAAAAAAAAkAAAAJAAAAAAAAAAHAAAAAAAAAAAAAAAAAAAAAAAAAAAAAAAAAAAAf39/ACUAAABYAAAAAAAAAAAAAAAAAAAAAAAAAAAAAAAAAAAAAAAAAAAAAAAAAAAAAAAAAAAAAAA/AAAAAAAAAKCGAQAAAAAAAAAAAAAAAAAMAAAAAQAAAAAAAAAAAAAAAAAAAB8AAABUAAAAAAAABQAAAAEAAAAAAAAAAAAAAAAAAAAAAAAAAAAAAAAAAAAAAAAAAAAAAAJ/f38AAAAAA8zMzADAwP8Af39/AAAAAAAAAAAAAAAAAAAAAAAAAAAAIQAAABgAAAAUAAAAQAsAAOgXAADAPwAAsCIAABAAAAAmAAAACAAAAAGAAAAAAAAAMAAAABQAAAAAAAAAAAD//wAAAQAAAP//AAABAA=="/>
               </a:ext>
             </a:extLst>
           </p:cNvSpPr>
@@ -335,7 +335,7 @@
             <a:spLocks noGrp="1" noChangeArrowheads="1"/>
             <a:extLst>
               <a:ext uri="smNativeData">
-                <pr:smNativeData xmlns:pr="smNativeData" xmlns="smNativeData" val="SMDATA_16_PryGZxMAAAAlAAAAZAAAAA8BAAAAkAAAAEgAAACQAAAASAAAAAAAAAABAAAAAAAAAAEAAABQAAAAAAAAAAAA4D8AAAAAAADgPwAAAAAAAOA/AAAAAAAA4D8AAAAAAADgPwAAAAAAAOA/AAAAAAAA4D8AAAAAAADgPwAAAAAAAOA/AAAAAAAA4D8CAAAAjAAAAAAAAAAAAAAAu+DjDP///wgAAAAAAAAAAAAAAAAAAAAAAAAAAAAAAAAAAAAAZAAAAAEAAABAAAAAAAAAAAAAAAAAAAAAAAAAAAAAAAAAAAAAAAAAAAAAAAAAAAAAAAAAAAAAAAAAAAAAAAAAAAAAAAAAAAAAAAAAAAAAAAAAAAAAAAAAAAAAAAAAAAAAFAAAADwAAAAAAAAAAAAAAAAAAAkUAAAAAQAAABQAAAAUAAAAFAAAAAEAAAAAAAAAZAAAAGQAAAAAAAAAZAAAAGQAAAAVAAAAYAAAAAAAAAAAAAAADwAAACADAAAAAAAAAAAAAAEAAACgMgAAVgcAAKr4//8BAAAAf39/AAEAAABkAAAAAAAAABQAAABAHwAAAAAAACYAAAAAAAAAwOD//wAAAAAmAAAAZAAAABYAAABMAAAAAAAAAAAAAAAEAAAAAAAAAAEAAACAgIAKAAAAACgAAAAoAAAAZAAAAGQAAAAAAAAAzMzMAAAAAABQAAAAUAAAAGQAAABkAAAAAAAAABcAAAAUAAAAAAAAAAAAAAD/fwAA/38AAAAAAAAJAAAABAAAAAAAAAAeAAAAaAAAAAAAAAAAAAAAAAAAAAAAAAAAAAAAECcAABAnAAAAAAAAAAAAAAAAAAAAAAAAAAAAAAAAAAAAAAAAAAAAABQAAAAAAAAAwMD/AAAAAABkAAAAMgAAAAAAAABkAAAAAAAAAH9/fwAKAAAAIgAAABgAAAAAAAAAAAAAAAAAAAAAAAAAAAAAAAAAAAAkAAAAJAAAAAAAAAAHAAAAAAAAAAAAAAAAAAAAAAAAAAAAAAAAAAAAf39/ACUAAABYAAAAAAAAAAAAAAAAAAAAAAAAAAAAAAAAAAAAAAAAAAAAAAAAAAAAAAAAAAAAAAA/AAAAAAAAAKCGAQAAAAAAAAAAAAAAAAAMAAAAAQAAAAAAAAAAAAAAAAAAAB8AAABUAAAAAAAABQAAAAEAAAAAAAAAAAAAAAAAAAAAAAAAAAAAAAAAAAAAAAAAAAAAAAJ/f38AAAAAA8zMzADAwP8Af39/AAAAAAAAAAAAAAAAAAAAAAAAAAAAIQAAABgAAAAUAAAAwAMAABsnAAA/FQAAWSkAABAAAAAmAAAACAAAAAAAAAAAAAAAMAAAABQAAAAAAAAAAAD//wAAAQAAAP//AAABAA=="/>
+                <pr:smNativeData xmlns:pr="smNativeData" xmlns="smNativeData" val="SMDATA_16_a8OGZxMAAAAlAAAAZAAAAA8BAAAAkAAAAEgAAACQAAAASAAAAAAAAAABAAAAAAAAAAEAAABQAAAAAAAAAAAA4D8AAAAAAADgPwAAAAAAAOA/AAAAAAAA4D8AAAAAAADgPwAAAAAAAOA/AAAAAAAA4D8AAAAAAADgPwAAAAAAAOA/AAAAAAAA4D8CAAAAjAAAAAAAAAAAAAAAu+DjDP///wgAAAAAAAAAAAAAAAAAAAAAAAAAAAAAAAAAAAAAZAAAAAEAAABAAAAAAAAAAAAAAAAAAAAAAAAAAAAAAAAAAAAAAAAAAAAAAAAAAAAAAAAAAAAAAAAAAAAAAAAAAAAAAAAAAAAAAAAAAAAAAAAAAAAAAAAAAAAAAAAAAAAAFAAAADwAAAAAAAAAAAAAAAAAAAkUAAAAAQAAABQAAAAUAAAAFAAAAAEAAAAAAAAAZAAAAGQAAAAAAAAAZAAAAGQAAAAVAAAAYAAAAAAAAAAAAAAADwAAACADAAAAAAAAAAAAAAEAAACgMgAAVgcAAKr4//8BAAAAf39/AAEAAABkAAAAAAAAABQAAABAHwAAAAAAACYAAAAAAAAAwOD//wAAAAAmAAAAZAAAABYAAABMAAAAAAAAAAAAAAAEAAAAAAAAAAEAAACAgIAKAAAAACgAAAAoAAAAZAAAAGQAAAAAAAAAzMzMAAAAAABQAAAAUAAAAGQAAABkAAAAAAAAABcAAAAUAAAAAAAAAAAAAAD/fwAA/38AAAAAAAAJAAAABAAAAAAAAAAeAAAAaAAAAAAAAAAAAAAAAAAAAAAAAAAAAAAAECcAABAnAAAAAAAAAAAAAAAAAAAAAAAAAAAAAAAAAAAAAAAAAAAAABQAAAAAAAAAwMD/AAAAAABkAAAAMgAAAAAAAABkAAAAAAAAAH9/fwAKAAAAIgAAABgAAAAAAAAAAAAAAAAAAAAAAAAAAAAAAAAAAAAkAAAAJAAAAAAAAAAHAAAAAAAAAAAAAAAAAAAAAAAAAAAAAAAAAAAAf39/ACUAAABYAAAAAAAAAAAAAAAAAAAAAAAAAAAAAAAAAAAAAAAAAAAAAAAAAAAAAAAAAAAAAAA/AAAAAAAAAKCGAQAAAAAAAAAAAAAAAAAMAAAAAQAAAAAAAAAAAAAAAAAAAB8AAABUAAAAAAAABQAAAAEAAAAAAAAAAAAAAAAAAAAAAAAAAAAAAAAAAAAAAAAAAAAAAAJ/f38AAAAAA8zMzADAwP8Af39/AAAAAAAAAAAAAAAAAAAAAAAAAAAAIQAAABgAAAAUAAAAwAMAABsnAAA/FQAAWSkAABAAAAAmAAAACAAAAAAAAAAAAAAAMAAAABQAAAAAAAAAAAD//wAAAQAAAP//AAABAA=="/>
               </a:ext>
             </a:extLst>
           </p:cNvSpPr>
@@ -349,7 +349,7 @@
           <a:lstStyle/>
           <a:p>
             <a:pPr/>
-            <a:fld id="{3D961BDA-94D0-C3ED-9E2E-62B855606837}" type="datetime1">
+            <a:fld id="{3C7290E8-A6D1-2766-9FCA-5033DE846905}" type="datetime1">
               <a:t/>
             </a:fld>
           </a:p>
@@ -362,7 +362,7 @@
             <a:spLocks noGrp="1" noChangeArrowheads="1"/>
             <a:extLst>
               <a:ext uri="smNativeData">
-                <pr:smNativeData xmlns:pr="smNativeData" xmlns="smNativeData" val="SMDATA_16_PryGZxMAAAAlAAAAZAAAAA8BAAAAkAAAAEgAAACQAAAASAAAAAAAAAABAAAAAAAAAAEAAABQAAAAAAAAAAAA4D8AAAAAAADgPwAAAAAAAOA/AAAAAAAA4D8AAAAAAADgPwAAAAAAAOA/AAAAAAAA4D8AAAAAAADgPwAAAAAAAOA/AAAAAAAA4D8CAAAAjAAAAAAAAAAAAAAAu+DjDP///wgAAAAAAAAAAAAAAAAAAAAAAAAAAAAAAAAAAAAAZAAAAAEAAABAAAAAAAAAAAAAAAAAAAAAAAAAAAAAAAAAAAAAAAAAAAAAAAAAAAAAAAAAAAAAAAAAAAAAAAAAAAAAAAAAAAAAAAAAAAAAAAAAAAAAAAAAAAAAAAAAAAAAFAAAADwAAAAAAAAAAAAAAAAAAAkUAAAAAQAAABQAAAAUAAAAFAAAAAEAAAAAAAAAZAAAAGQAAAAAAAAAZAAAAGQAAAAVAAAAYAAAAAAAAAAAAAAADwAAACADAAAAAAAAAAAAAAEAAACgMgAAVgcAAKr4//8BAAAAf39/AAEAAABkAAAAAAAAABQAAABAHwAAAAAAACYAAAAAAAAAwOD//wAAAAAmAAAAZAAAABYAAABMAAAAAAAAAAAAAAAEAAAAAAAAAAEAAACAgIAKAAAAACgAAAAoAAAAZAAAAGQAAAAAAAAAzMzMAAAAAABQAAAAUAAAAGQAAABkAAAAAAAAABcAAAAUAAAAAAAAAAAAAAD/fwAA/38AAAAAAAAJAAAABAAAAAAAAAAeAAAAaAAAAAAAAAAAAAAAAAAAAAAAAAAAAAAAECcAABAnAAAAAAAAAAAAAAAAAAAAAAAAAAAAAAAAAAAAAAAAAAAAABQAAAAAAAAAwMD/AAAAAABkAAAAMgAAAAAAAABkAAAAAAAAAH9/fwAKAAAAIgAAABgAAAAAAAAAAAAAAAAAAAAAAAAAAAAAAAAAAAAkAAAAJAAAAAAAAAAHAAAAAAAAAAAAAAAAAAAAAAAAAAAAAAAAAAAAf39/ACUAAABYAAAAAAAAAAAAAAAAAAAAAAAAAAAAAAAAAAAAAAAAAAAAAAAAAAAAAAAAAAAAAAA/AAAAAAAAAKCGAQAAAAAAAAAAAAAAAAAMAAAAAQAAAAAAAAAAAAAAAAAAAB8AAABUAAAAAAAABQAAAAEAAAAAAAAAAAAAAAAAAAAAAAAAAAAAAAAAAAAAAAAAAAAAAAJ/f38AAAAAA8zMzADAwP8Af39/AAAAAAAAAAAAAAAAAAAAAAAAAAAAIQAAABgAAAAUAAAAoRkAABsnAABfMQAAWSkAABAAAAAmAAAACAAAAAAAAAAAAAAAMAAAABQAAAAAAAAAAAD//wAAAQAAAP//AAABAA=="/>
+                <pr:smNativeData xmlns:pr="smNativeData" xmlns="smNativeData" val="SMDATA_16_a8OGZxMAAAAlAAAAZAAAAA8BAAAAkAAAAEgAAACQAAAASAAAAAAAAAABAAAAAAAAAAEAAABQAAAAAAAAAAAA4D8AAAAAAADgPwAAAAAAAOA/AAAAAAAA4D8AAAAAAADgPwAAAAAAAOA/AAAAAAAA4D8AAAAAAADgPwAAAAAAAOA/AAAAAAAA4D8CAAAAjAAAAAAAAAAAAAAAu+DjDP///wgAAAAAAAAAAAAAAAAAAAAAAAAAAAAAAAAAAAAAZAAAAAEAAABAAAAAAAAAAAAAAAAAAAAAAAAAAAAAAAAAAAAAAAAAAAAAAAAAAAAAAAAAAAAAAAAAAAAAAAAAAAAAAAAAAAAAAAAAAAAAAAAAAAAAAAAAAAAAAAAAAAAAFAAAADwAAAAAAAAAAAAAAAAAAAkUAAAAAQAAABQAAAAUAAAAFAAAAAEAAAAAAAAAZAAAAGQAAAAAAAAAZAAAAGQAAAAVAAAAYAAAAAAAAAAAAAAADwAAACADAAAAAAAAAAAAAAEAAACgMgAAVgcAAKr4//8BAAAAf39/AAEAAABkAAAAAAAAABQAAABAHwAAAAAAACYAAAAAAAAAwOD//wAAAAAmAAAAZAAAABYAAABMAAAAAAAAAAAAAAAEAAAAAAAAAAEAAACAgIAKAAAAACgAAAAoAAAAZAAAAGQAAAAAAAAAzMzMAAAAAABQAAAAUAAAAGQAAABkAAAAAAAAABcAAAAUAAAAAAAAAAAAAAD/fwAA/38AAAAAAAAJAAAABAAAAAAAAAAeAAAAaAAAAAAAAAAAAAAAAAAAAAAAAAAAAAAAECcAABAnAAAAAAAAAAAAAAAAAAAAAAAAAAAAAAAAAAAAAAAAAAAAABQAAAAAAAAAwMD/AAAAAABkAAAAMgAAAAAAAABkAAAAAAAAAH9/fwAKAAAAIgAAABgAAAAAAAAAAAAAAAAAAAAAAAAAAAAAAAAAAAAkAAAAJAAAAAAAAAAHAAAAAAAAAAAAAAAAAAAAAAAAAAAAAAAAAAAAf39/ACUAAABYAAAAAAAAAAAAAAAAAAAAAAAAAAAAAAAAAAAAAAAAAAAAAAAAAAAAAAAAAAAAAAA/AAAAAAAAAKCGAQAAAAAAAAAAAAAAAAAMAAAAAQAAAAAAAAAAAAAAAAAAAB8AAABUAAAAAAAABQAAAAEAAAAAAAAAAAAAAAAAAAAAAAAAAAAAAAAAAAAAAAAAAAAAAAJ/f38AAAAAA8zMzADAwP8Af39/AAAAAAAAAAAAAAAAAAAAAAAAAAAAIQAAABgAAAAUAAAAoRkAABsnAABfMQAAWSkAABAAAAAmAAAACAAAAAAAAAAAAAAAMAAAABQAAAAAAAAAAAD//wAAAQAAAP//AAABAA=="/>
               </a:ext>
             </a:extLst>
           </p:cNvSpPr>
@@ -386,7 +386,7 @@
             <a:spLocks noGrp="1" noChangeArrowheads="1"/>
             <a:extLst>
               <a:ext uri="smNativeData">
-                <pr:smNativeData xmlns:pr="smNativeData" xmlns="smNativeData" val="SMDATA_16_PryGZxMAAAAlAAAAZAAAAA8BAAAAkAAAAEgAAACQAAAASAAAAAAAAAABAAAAAAAAAAEAAABQAAAAAAAAAAAA4D8AAAAAAADgPwAAAAAAAOA/AAAAAAAA4D8AAAAAAADgPwAAAAAAAOA/AAAAAAAA4D8AAAAAAADgPwAAAAAAAOA/AAAAAAAA4D8CAAAAjAAAAAAAAAAAAAAAu+DjDP///wgAAAAAAAAAAAAAAAAAAAAAAAAAAAAAAAAAAAAAZAAAAAEAAABAAAAAAAAAAAAAAAAAAAAAAAAAAAAAAAAAAAAAAAAAAAAAAAAAAAAAAAAAAAAAAAAAAAAAAAAAAAAAAAAAAAAAAAAAAAAAAAAAAAAAAAAAAAAAAAAAAAAAFAAAADwAAAAAAAAAAAAAAAAAAAkUAAAAAQAAABQAAAAUAAAAFAAAAAEAAAAAAAAAZAAAAGQAAAAAAAAAZAAAAGQAAAAVAAAAYAAAAAAAAAAAAAAADwAAACADAAAAAAAAAAAAAAEAAACgMgAAVgcAAKr4//8BAAAAf39/AAEAAABkAAAAAAAAABQAAABAHwAAAAAAACYAAAAAAAAAwOD//wAAAAAmAAAAZAAAABYAAABMAAAAAAAAAAAAAAAEAAAAAAAAAAEAAACAgIAKAAAAACgAAAAoAAAAZAAAAGQAAAAAAAAAzMzMAAAAAABQAAAAUAAAAGQAAABkAAAAAAAAABcAAAAUAAAAAAAAAAAAAAD/fwAA/38AAAAAAAAJAAAABAAAAHsAfAAeAAAAaAAAAAAAAAAAAAAAAAAAAAAAAAAAAAAAECcAABAnAAAAAAAAAAAAAAAAAAAAAAAAAAAAAAAAAAAAAAAAAAAAABQAAAAAAAAAwMD/AAAAAABkAAAAMgAAAAAAAABkAAAAAAAAAH9/fwAKAAAAIgAAABgAAAAAAAAAAAAAAAAAAAAAAAAAAAAAAAAAAAAkAAAAJAAAAAAAAAAHAAAAAAAAAAAAAAAAAAAAAAAAAAAAAAAAAAAAf39/ACUAAABYAAAAAAAAAAAAAAAAAAAAAAAAAAAAAAAAAAAAAAAAAAAAAAAAAAAAAAAAAAAAAAA/AAAAAAAAAKCGAQAAAAAAAAAAAAAAAAAMAAAAAQAAAAAAAAAAAAAAAAAAAB8AAABUAAAAAAAABQAAAAEAAAAAAAAAAAAAAAAAAAAAAAAAAAAAAAAAAAAAAAAAAAAAAAJ/f38AAAAAA8zMzADAwP8Af39/AAAAAAAAAAAAAAAAAAAAAAAAAAAAIQAAABgAAAAUAAAAwTUAABsnAABARwAAWSkAABAAAAAmAAAACAAAAAAAAAAAAAAAMAAAABQAAAAAAAAAAAD//wAAAQAAAP//AAABAA=="/>
+                <pr:smNativeData xmlns:pr="smNativeData" xmlns="smNativeData" val="SMDATA_16_a8OGZxMAAAAlAAAAZAAAAA8BAAAAkAAAAEgAAACQAAAASAAAAAAAAAABAAAAAAAAAAEAAABQAAAAAAAAAAAA4D8AAAAAAADgPwAAAAAAAOA/AAAAAAAA4D8AAAAAAADgPwAAAAAAAOA/AAAAAAAA4D8AAAAAAADgPwAAAAAAAOA/AAAAAAAA4D8CAAAAjAAAAAAAAAAAAAAAu+DjDP///wgAAAAAAAAAAAAAAAAAAAAAAAAAAAAAAAAAAAAAZAAAAAEAAABAAAAAAAAAAAAAAAAAAAAAAAAAAAAAAAAAAAAAAAAAAAAAAAAAAAAAAAAAAAAAAAAAAAAAAAAAAAAAAAAAAAAAAAAAAAAAAAAAAAAAAAAAAAAAAAAAAAAAFAAAADwAAAAAAAAAAAAAAAAAAAkUAAAAAQAAABQAAAAUAAAAFAAAAAEAAAAAAAAAZAAAAGQAAAAAAAAAZAAAAGQAAAAVAAAAYAAAAAAAAAAAAAAADwAAACADAAAAAAAAAAAAAAEAAACgMgAAVgcAAKr4//8BAAAAf39/AAEAAABkAAAAAAAAABQAAABAHwAAAAAAACYAAAAAAAAAwOD//wAAAAAmAAAAZAAAABYAAABMAAAAAAAAAAAAAAAEAAAAAAAAAAEAAACAgIAKAAAAACgAAAAoAAAAZAAAAGQAAAAAAAAAzMzMAAAAAABQAAAAUAAAAGQAAABkAAAAAAAAABcAAAAUAAAAAAAAAAAAAAD/fwAA/38AAAAAAAAJAAAABAAAAHsAfAAeAAAAaAAAAAAAAAAAAAAAAAAAAAAAAAAAAAAAECcAABAnAAAAAAAAAAAAAAAAAAAAAAAAAAAAAAAAAAAAAAAAAAAAABQAAAAAAAAAwMD/AAAAAABkAAAAMgAAAAAAAABkAAAAAAAAAH9/fwAKAAAAIgAAABgAAAAAAAAAAAAAAAAAAAAAAAAAAAAAAAAAAAAkAAAAJAAAAAAAAAAHAAAAAAAAAAAAAAAAAAAAAAAAAAAAAAAAAAAAf39/ACUAAABYAAAAAAAAAAAAAAAAAAAAAAAAAAAAAAAAAAAAAAAAAAAAAAAAAAAAAAAAAAAAAAA/AAAAAAAAAKCGAQAAAAAAAAAAAAAAAAAMAAAAAQAAAAAAAAAAAAAAAAAAAB8AAABUAAAAAAAABQAAAAEAAAAAAAAAAAAAAAAAAAAAAAAAAAAAAAAAAAAAAAAAAAAAAAJ/f38AAAAAA8zMzADAwP8Af39/AAAAAAAAAAAAAAAAAAAAAAAAAAAAIQAAABgAAAAUAAAAwTUAABsnAABARwAAWSkAABAAAAAmAAAACAAAAAAAAAAAAAAAMAAAABQAAAAAAAAAAAD//wAAAQAAAP//AAABAA=="/>
               </a:ext>
             </a:extLst>
           </p:cNvSpPr>
@@ -400,7 +400,7 @@
           <a:lstStyle/>
           <a:p>
             <a:pPr/>
-            <a:fld id="{3D964BAF-E1D0-C3BD-9E2E-17E805606842}" type="slidenum">
+            <a:fld id="{3C72F60E-40D1-2700-9FCA-B655B88469E3}" type="slidenum">
               <a:t/>
             </a:fld>
           </a:p>
@@ -439,7 +439,7 @@
             <a:spLocks noGrp="1" noChangeArrowheads="1"/>
             <a:extLst>
               <a:ext uri="smNativeData">
-                <pr:smNativeData xmlns:pr="smNativeData" xmlns="smNativeData" val="SMDATA_16_PryGZxMAAAAlAAAAZAAAAA8BAAAAkAAAAEgAAACQAAAASAAAAAAAAAABAAAAAAAAAAEAAABQAAAAAAAAAAAA4D8AAAAAAADgPwAAAAAAAOA/AAAAAAAA4D8AAAAAAADgPwAAAAAAAOA/AAAAAAAA4D8AAAAAAADgPwAAAAAAAOA/AAAAAAAA4D8CAAAAjAAAAAAAAAAAAAAAu+DjDP///wgAAAAAAAAAAAAAAAAAAAAAAAAAAAAAAAAAAAAAZAAAAAEAAABAAAAAAAAAAAAAAAAAAAAAAAAAAAAAAAAAAAAAAAAAAAAAAAAAAAAAAAAAAAAAAAAAAAAAAAAAAAAAAAAAAAAAAAAAAAAAAAAAAAAAAAAAAAAAAAAAAAAAFAAAADwAAAAAAAAAAAAAAAAAAAkUAAAAAQAAABQAAAAUAAAAFAAAAAEAAAAAAAAAZAAAAGQAAAAAAAAAZAAAAGQAAAAVAAAAYAAAAAAAAAAAAAAADwAAACADAAAAAAAAAAAAAAEAAACgMgAAVgcAAKr4//8BAAAAf39/AAEAAABkAAAAAAAAABQAAABAHwAAAAAAACYAAAAAAAAAwOD//wAAAAAmAAAAZAAAABYAAABMAAAAAAAAAAAAAAAEAAAAAAAAAAEAAACAgIAKAAAAACgAAAAoAAAAZAAAAGQAAAAAAAAAzMzMAAAAAABQAAAAUAAAAGQAAABkAAAAAAAAABcAAAAUAAAAAAAAAAAAAAD/fwAA/38AAAAAAAAJAAAABAAAAG49IjEeAAAAaAAAAAAAAAAAAAAAAAAAAAAAAAAAAAAAECcAABAnAAAAAAAAAAAAAAAAAAAAAAAAAAAAAAAAAAAAAAAAAAAAABQAAAAAAAAAwMD/AAAAAABkAAAAMgAAAAAAAABkAAAAAAAAAH9/fwAKAAAAIgAAABgAAAAAAAAAAAAAAAAAAAAAAAAAAAAAAAAAAAAkAAAAJAAAAAAAAAAHAAAAAAAAAAAAAAAAAAAAAAAAAAAAAAAAAAAAf39/ACUAAABYAAAAAAAAAAAAAAAAAAAAAAAAAAAAAAAAAAAAAAAAAAAAAAAAAAAAAAAAAAAAAAA/AAAAAAAAAKCGAQAAAAAAAAAAAAAAAAAMAAAAAQAAAAAAAAAAAAAAAAAAAB8AAABUAAAAAAAABQAAAAEAAAAAAAAAAAAAAAAAAAAAAAAAAAAAAAAAAAAAAAAAAAAAAAJ/f38AAAAAA8zMzADAwP8Af39/AAAAAAAAAAAAAAAAAAAAAAAAAAAAIQAAABgAAAAUAAAAwAMAALABAABARwAAuAgAABAAAAAmAAAACAAAAAAAAAAAAAAAMAAAABQAAAAAAAAAAAD//wAAAQAAAP//AAABAA=="/>
+                <pr:smNativeData xmlns:pr="smNativeData" xmlns="smNativeData" val="SMDATA_16_a8OGZxMAAAAlAAAAZAAAAA8BAAAAkAAAAEgAAACQAAAASAAAAAAAAAABAAAAAAAAAAEAAABQAAAAAAAAAAAA4D8AAAAAAADgPwAAAAAAAOA/AAAAAAAA4D8AAAAAAADgPwAAAAAAAOA/AAAAAAAA4D8AAAAAAADgPwAAAAAAAOA/AAAAAAAA4D8CAAAAjAAAAAAAAAAAAAAAu+DjDP///wgAAAAAAAAAAAAAAAAAAAAAAAAAAAAAAAAAAAAAZAAAAAEAAABAAAAAAAAAAAAAAAAAAAAAAAAAAAAAAAAAAAAAAAAAAAAAAAAAAAAAAAAAAAAAAAAAAAAAAAAAAAAAAAAAAAAAAAAAAAAAAAAAAAAAAAAAAAAAAAAAAAAAFAAAADwAAAAAAAAAAAAAAAAAAAkUAAAAAQAAABQAAAAUAAAAFAAAAAEAAAAAAAAAZAAAAGQAAAAAAAAAZAAAAGQAAAAVAAAAYAAAAAAAAAAAAAAADwAAACADAAAAAAAAAAAAAAEAAACgMgAAVgcAAKr4//8BAAAAf39/AAEAAABkAAAAAAAAABQAAABAHwAAAAAAACYAAAAAAAAAwOD//wAAAAAmAAAAZAAAABYAAABMAAAAAAAAAAAAAAAEAAAAAAAAAAEAAACAgIAKAAAAACgAAAAoAAAAZAAAAGQAAAAAAAAAzMzMAAAAAABQAAAAUAAAAGQAAABkAAAAAAAAABcAAAAUAAAAAAAAAAAAAAD/fwAA/38AAAAAAAAJAAAABAAAAG49IjEeAAAAaAAAAAAAAAAAAAAAAAAAAAAAAAAAAAAAECcAABAnAAAAAAAAAAAAAAAAAAAAAAAAAAAAAAAAAAAAAAAAAAAAABQAAAAAAAAAwMD/AAAAAABkAAAAMgAAAAAAAABkAAAAAAAAAH9/fwAKAAAAIgAAABgAAAAAAAAAAAAAAAAAAAAAAAAAAAAAAAAAAAAkAAAAJAAAAAAAAAAHAAAAAAAAAAAAAAAAAAAAAAAAAAAAAAAAAAAAf39/ACUAAABYAAAAAAAAAAAAAAAAAAAAAAAAAAAAAAAAAAAAAAAAAAAAAAAAAAAAAAAAAAAAAAA/AAAAAAAAAKCGAQAAAAAAAAAAAAAAAAAMAAAAAQAAAAAAAAAAAAAAAAAAAB8AAABUAAAAAAAABQAAAAEAAAAAAAAAAAAAAAAAAAAAAAAAAAAAAAAAAAAAAAAAAAAAAAJ/f38AAAAAA8zMzADAwP8Af39/AAAAAAAAAAAAAAAAAAAAAAAAAAAAIQAAABgAAAAUAAAAwAMAALABAABARwAAuAgAABAAAAAmAAAACAAAAAAAAAAAAAAAMAAAABQAAAAAAAAAAAD//wAAAQAAAP//AAABAA=="/>
               </a:ext>
             </a:extLst>
           </p:cNvSpPr>
@@ -466,7 +466,7 @@
             <a:spLocks noGrp="1" noChangeArrowheads="1"/>
             <a:extLst>
               <a:ext uri="smNativeData">
-                <pr:smNativeData xmlns:pr="smNativeData" xmlns="smNativeData" val="SMDATA_16_PryGZxMAAAAlAAAAZAAAAA8BAAAAkAAAAEgAAACQAAAASAAAAAAAAAAAAAAAAQAAAAEAAABQAAAAAAAAAAAA4D8AAAAAAADgPwAAAAAAAOA/AAAAAAAA4D8AAAAAAADgPwAAAAAAAOA/AAAAAAAA4D8AAAAAAADgPwAAAAAAAOA/AAAAAAAA4D8CAAAAjAAAAAAAAAAAAAAAu+DjDP///wgAAAAAAAAAAAAAAAAAAAAAAAAAAAAAAAAAAAAAZAAAAAEAAABAAAAAAAAAAAAAAAAAAAAAAAAAAAAAAAAAAAAAAAAAAAAAAAAAAAAAAAAAAAAAAAAAAAAAAAAAAAAAAAAAAAAAAAAAAAAAAAAAAAAAAAAAAAAAAAAAAAAAFAAAADwAAAAAAAAAAAAAAAAAAAkUAAAAAQAAABQAAAAUAAAAFAAAAAEAAAAAAAAAZAAAAGQAAAAAAAAAZAAAAGQAAAAVAAAAYAAAAAAAAAAAAAAADwAAACADAAAAAAAAAAAAAAEAAACgMgAAVgcAAKr4//8BAAAAf39/AAEAAABkAAAAAAAAABQAAABAHwAAAAAAACYAAAAAAAAAwOD//wAAAAAmAAAAZAAAABYAAABMAAAAAAAAAAAAAAAEAAAAAAAAAAEAAACAgIAKAAAAACgAAAAoAAAAZAAAAGQAAAAAAAAAzMzMAAAAAABQAAAAUAAAAGQAAABkAAAAAAAAABcAAAAUAAAAAAAAAAAAAAD/fwAA/38AAAAAAAAJAAAABAAAAAAAAAAeAAAAaAAAAAAAAAAAAAAAAAAAAAAAAAAAAAAAECcAABAnAAAAAAAAAAAAAAAAAAAAAAAAAAAAAAAAAAAAAAAAAAAAABQAAAAAAAAAwMD/AAAAAABkAAAAMgAAAAAAAABkAAAAAAAAAH9/fwAKAAAAIgAAABgAAAAAAAAAAAAAAAAAAAAAAAAAAAAAAAAAAAAkAAAAJAAAAAAAAAAHAAAAAAAAAAAAAAAAAAAAAAAAAAAAAAAAAAAAf39/ACUAAABYAAAAAAAAAAAAAAAAAAAAAAAAAAAAAAAAAAAAAAAAAAAAAAAAAAAAAAAAAAAAAAA/AAAAAAAAAKCGAQAAAAAAAAAAAAAAAAAMAAAAAQAAAAAAAAAAAAAAAAAAAB8AAABUAAAAAAAABQAAAAEAAAAAAAAAAAAAAAAAAAAAAAAAAAAAAAAAAAAAAAAAAAAAAAJ/f38AAAAAA8zMzADAwP8Af39/AAAAAAAAAAAAAAAAAAAAAAAAAAAAIQAAABgAAAAUAAAAwAMAANgJAABARwAAsCUAABAAAAAmAAAACAAAAAIAAAAAAAAAMAAAABQAAAAAAAAAAAD//wAAAQAAAP//AAABAA=="/>
+                <pr:smNativeData xmlns:pr="smNativeData" xmlns="smNativeData" val="SMDATA_16_a8OGZxMAAAAlAAAAZAAAAA8BAAAAkAAAAEgAAACQAAAASAAAAAAAAAAAAAAAAQAAAAEAAABQAAAAAAAAAAAA4D8AAAAAAADgPwAAAAAAAOA/AAAAAAAA4D8AAAAAAADgPwAAAAAAAOA/AAAAAAAA4D8AAAAAAADgPwAAAAAAAOA/AAAAAAAA4D8CAAAAjAAAAAAAAAAAAAAAu+DjDP///wgAAAAAAAAAAAAAAAAAAAAAAAAAAAAAAAAAAAAAZAAAAAEAAABAAAAAAAAAAAAAAAAAAAAAAAAAAAAAAAAAAAAAAAAAAAAAAAAAAAAAAAAAAAAAAAAAAAAAAAAAAAAAAAAAAAAAAAAAAAAAAAAAAAAAAAAAAAAAAAAAAAAAFAAAADwAAAAAAAAAAAAAAAAAAAkUAAAAAQAAABQAAAAUAAAAFAAAAAEAAAAAAAAAZAAAAGQAAAAAAAAAZAAAAGQAAAAVAAAAYAAAAAAAAAAAAAAADwAAACADAAAAAAAAAAAAAAEAAACgMgAAVgcAAKr4//8BAAAAf39/AAEAAABkAAAAAAAAABQAAABAHwAAAAAAACYAAAAAAAAAwOD//wAAAAAmAAAAZAAAABYAAABMAAAAAAAAAAAAAAAEAAAAAAAAAAEAAACAgIAKAAAAACgAAAAoAAAAZAAAAGQAAAAAAAAAzMzMAAAAAABQAAAAUAAAAGQAAABkAAAAAAAAABcAAAAUAAAAAAAAAAAAAAD/fwAA/38AAAAAAAAJAAAABAAAAAAAAAAeAAAAaAAAAAAAAAAAAAAAAAAAAAAAAAAAAAAAECcAABAnAAAAAAAAAAAAAAAAAAAAAAAAAAAAAAAAAAAAAAAAAAAAABQAAAAAAAAAwMD/AAAAAABkAAAAMgAAAAAAAABkAAAAAAAAAH9/fwAKAAAAIgAAABgAAAAAAAAAAAAAAAAAAAAAAAAAAAAAAAAAAAAkAAAAJAAAAAAAAAAHAAAAAAAAAAAAAAAAAAAAAAAAAAAAAAAAAAAAf39/ACUAAABYAAAAAAAAAAAAAAAAAAAAAAAAAAAAAAAAAAAAAAAAAAAAAAAAAAAAAAAAAAAAAAA/AAAAAAAAAKCGAQAAAAAAAAAAAAAAAAAMAAAAAQAAAAAAAAAAAAAAAAAAAB8AAABUAAAAAAAABQAAAAEAAAAAAAAAAAAAAAAAAAAAAAAAAAAAAAAAAAAAAAAAAAAAAAJ/f38AAAAAA8zMzADAwP8Af39/AAAAAAAAAAAAAAAAAAAAAAAAAAAAIQAAABgAAAAUAAAAwAMAANgJAABARwAAsCUAABAAAAAmAAAACAAAAAIAAAAAAAAAMAAAABQAAAAAAAAAAAD//wAAAQAAAP//AAABAA=="/>
               </a:ext>
             </a:extLst>
           </p:cNvSpPr>
@@ -521,7 +521,7 @@
             <a:spLocks noGrp="1" noChangeArrowheads="1"/>
             <a:extLst>
               <a:ext uri="smNativeData">
-                <pr:smNativeData xmlns:pr="smNativeData" xmlns="smNativeData" val="SMDATA_16_PryGZxMAAAAlAAAAZAAAAA8BAAAAkAAAAEgAAACQAAAASAAAAAAAAAABAAAAAAAAAAEAAABQAAAAAAAAAAAA4D8AAAAAAADgPwAAAAAAAOA/AAAAAAAA4D8AAAAAAADgPwAAAAAAAOA/AAAAAAAA4D8AAAAAAADgPwAAAAAAAOA/AAAAAAAA4D8CAAAAjAAAAAAAAAAAAAAAu+DjDP///wgAAAAAAAAAAAAAAAAAAAAAAAAAAAAAAAAAAAAAZAAAAAEAAABAAAAAAAAAAAAAAAAAAAAAAAAAAAAAAAAAAAAAAAAAAAAAAAAAAAAAAAAAAAAAAAAAAAAAAAAAAAAAAAAAAAAAAAAAAAAAAAAAAAAAAAAAAAAAAAAAAAAAFAAAADwAAAAAAAAAAAAAAAAAAAkUAAAAAQAAABQAAAAUAAAAFAAAAAEAAAAAAAAAZAAAAGQAAAAAAAAAZAAAAGQAAAAVAAAAYAAAAAAAAAAAAAAADwAAACADAAAAAAAAAAAAAAEAAACgMgAAVgcAAKr4//8BAAAAf39/AAEAAABkAAAAAAAAABQAAABAHwAAAAAAACYAAAAAAAAAwOD//wAAAAAmAAAAZAAAABYAAABMAAAAAAAAAAAAAAAEAAAAAAAAAAEAAACAgIAKAAAAACgAAAAoAAAAZAAAAGQAAAAAAAAAzMzMAAAAAABQAAAAUAAAAGQAAABkAAAAAAAAABcAAAAUAAAAAAAAAAAAAAD/fwAA/38AAAAAAAAJAAAABAAAAAAAAAAeAAAAaAAAAAAAAAAAAAAAAAAAAAAAAAAAAAAAECcAABAnAAAAAAAAAAAAAAAAAAAAAAAAAAAAAAAAAAAAAAAAAAAAABQAAAAAAAAAwMD/AAAAAABkAAAAMgAAAAAAAABkAAAAAAAAAH9/fwAKAAAAIgAAABgAAAAAAAAAAAAAAAAAAAAAAAAAAAAAAAAAAAAkAAAAJAAAAAAAAAAHAAAAAAAAAAAAAAAAAAAAAAAAAAAAAAAAAAAAf39/ACUAAABYAAAAAAAAAAAAAAAAAAAAAAAAAAAAAAAAAAAAAAAAAAAAAAAAAAAAAAAAAAAAAAA/AAAAAAAAAKCGAQAAAAAAAAAAAAAAAAAMAAAAAQAAAAAAAAAAAAAAAAAAAB8AAABUAAAAAAAABQAAAAEAAAAAAAAAAAAAAAAAAAAAAAAAAAAAAAAAAAAAAAAAAAAAAAJ/f38AAAAAA8zMzADAwP8Af39/AAAAAAAAAAAAAAAAAAAAAAAAAAAAIQAAABgAAAAUAAAAwAMAABsnAAA/FQAAWSkAABAAAAAmAAAACAAAAAAAAAAAAAAAMAAAABQAAAAAAAAAAAD//wAAAQAAAP//AAABAA=="/>
+                <pr:smNativeData xmlns:pr="smNativeData" xmlns="smNativeData" val="SMDATA_16_a8OGZxMAAAAlAAAAZAAAAA8BAAAAkAAAAEgAAACQAAAASAAAAAAAAAABAAAAAAAAAAEAAABQAAAAAAAAAAAA4D8AAAAAAADgPwAAAAAAAOA/AAAAAAAA4D8AAAAAAADgPwAAAAAAAOA/AAAAAAAA4D8AAAAAAADgPwAAAAAAAOA/AAAAAAAA4D8CAAAAjAAAAAAAAAAAAAAAu+DjDP///wgAAAAAAAAAAAAAAAAAAAAAAAAAAAAAAAAAAAAAZAAAAAEAAABAAAAAAAAAAAAAAAAAAAAAAAAAAAAAAAAAAAAAAAAAAAAAAAAAAAAAAAAAAAAAAAAAAAAAAAAAAAAAAAAAAAAAAAAAAAAAAAAAAAAAAAAAAAAAAAAAAAAAFAAAADwAAAAAAAAAAAAAAAAAAAkUAAAAAQAAABQAAAAUAAAAFAAAAAEAAAAAAAAAZAAAAGQAAAAAAAAAZAAAAGQAAAAVAAAAYAAAAAAAAAAAAAAADwAAACADAAAAAAAAAAAAAAEAAACgMgAAVgcAAKr4//8BAAAAf39/AAEAAABkAAAAAAAAABQAAABAHwAAAAAAACYAAAAAAAAAwOD//wAAAAAmAAAAZAAAABYAAABMAAAAAAAAAAAAAAAEAAAAAAAAAAEAAACAgIAKAAAAACgAAAAoAAAAZAAAAGQAAAAAAAAAzMzMAAAAAABQAAAAUAAAAGQAAABkAAAAAAAAABcAAAAUAAAAAAAAAAAAAAD/fwAA/38AAAAAAAAJAAAABAAAAAAAAAAeAAAAaAAAAAAAAAAAAAAAAAAAAAAAAAAAAAAAECcAABAnAAAAAAAAAAAAAAAAAAAAAAAAAAAAAAAAAAAAAAAAAAAAABQAAAAAAAAAwMD/AAAAAABkAAAAMgAAAAAAAABkAAAAAAAAAH9/fwAKAAAAIgAAABgAAAAAAAAAAAAAAAAAAAAAAAAAAAAAAAAAAAAkAAAAJAAAAAAAAAAHAAAAAAAAAAAAAAAAAAAAAAAAAAAAAAAAAAAAf39/ACUAAABYAAAAAAAAAAAAAAAAAAAAAAAAAAAAAAAAAAAAAAAAAAAAAAAAAAAAAAAAAAAAAAA/AAAAAAAAAKCGAQAAAAAAAAAAAAAAAAAMAAAAAQAAAAAAAAAAAAAAAAAAAB8AAABUAAAAAAAABQAAAAEAAAAAAAAAAAAAAAAAAAAAAAAAAAAAAAAAAAAAAAAAAAAAAAJ/f38AAAAAA8zMzADAwP8Af39/AAAAAAAAAAAAAAAAAAAAAAAAAAAAIQAAABgAAAAUAAAAwAMAABsnAAA/FQAAWSkAABAAAAAmAAAACAAAAAAAAAAAAAAAMAAAABQAAAAAAAAAAAD//wAAAQAAAP//AAABAA=="/>
               </a:ext>
             </a:extLst>
           </p:cNvSpPr>
@@ -535,7 +535,7 @@
           <a:lstStyle/>
           <a:p>
             <a:pPr/>
-            <a:fld id="{3D964B33-7DD0-C3BD-9E2E-8BE8056068DE}" type="datetime1">
+            <a:fld id="{3C72ACDC-92D1-275A-9FCA-640FE2846931}" type="datetime1">
               <a:t/>
             </a:fld>
           </a:p>
@@ -548,7 +548,7 @@
             <a:spLocks noGrp="1" noChangeArrowheads="1"/>
             <a:extLst>
               <a:ext uri="smNativeData">
-                <pr:smNativeData xmlns:pr="smNativeData" xmlns="smNativeData" val="SMDATA_16_PryGZxMAAAAlAAAAZAAAAA8BAAAAkAAAAEgAAACQAAAASAAAAAAAAAABAAAAAAAAAAEAAABQAAAAAAAAAAAA4D8AAAAAAADgPwAAAAAAAOA/AAAAAAAA4D8AAAAAAADgPwAAAAAAAOA/AAAAAAAA4D8AAAAAAADgPwAAAAAAAOA/AAAAAAAA4D8CAAAAjAAAAAAAAAAAAAAAu+DjDP///wgAAAAAAAAAAAAAAAAAAAAAAAAAAAAAAAAAAAAAZAAAAAEAAABAAAAAAAAAAAAAAAAAAAAAAAAAAAAAAAAAAAAAAAAAAAAAAAAAAAAAAAAAAAAAAAAAAAAAAAAAAAAAAAAAAAAAAAAAAAAAAAAAAAAAAAAAAAAAAAAAAAAAFAAAADwAAAAAAAAAAAAAAAAAAAkUAAAAAQAAABQAAAAUAAAAFAAAAAEAAAAAAAAAZAAAAGQAAAAAAAAAZAAAAGQAAAAVAAAAYAAAAAAAAAAAAAAADwAAACADAAAAAAAAAAAAAAEAAACgMgAAVgcAAKr4//8BAAAAf39/AAEAAABkAAAAAAAAABQAAABAHwAAAAAAACYAAAAAAAAAwOD//wAAAAAmAAAAZAAAABYAAABMAAAAAAAAAAAAAAAEAAAAAAAAAAEAAACAgIAKAAAAACgAAAAoAAAAZAAAAGQAAAAAAAAAzMzMAAAAAABQAAAAUAAAAGQAAABkAAAAAAAAABcAAAAUAAAAAAAAAAAAAAD/fwAA/38AAAAAAAAJAAAABAAAAGE6c3AeAAAAaAAAAAAAAAAAAAAAAAAAAAAAAAAAAAAAECcAABAnAAAAAAAAAAAAAAAAAAAAAAAAAAAAAAAAAAAAAAAAAAAAABQAAAAAAAAAwMD/AAAAAABkAAAAMgAAAAAAAABkAAAAAAAAAH9/fwAKAAAAIgAAABgAAAAAAAAAAAAAAAAAAAAAAAAAAAAAAAAAAAAkAAAAJAAAAAAAAAAHAAAAAAAAAAAAAAAAAAAAAAAAAAAAAAAAAAAAf39/ACUAAABYAAAAAAAAAAAAAAAAAAAAAAAAAAAAAAAAAAAAAAAAAAAAAAAAAAAAAAAAAAAAAAA/AAAAAAAAAKCGAQAAAAAAAAAAAAAAAAAMAAAAAQAAAAAAAAAAAAAAAAAAAB8AAABUAAAAAAAABQAAAAEAAAAAAAAAAAAAAAAAAAAAAAAAAAAAAAAAAAAAAAAAAAAAAAJ/f38AAAAAA8zMzADAwP8Af39/AAAAAAAAAAAAAAAAAAAAAAAAAAAAIQAAABgAAAAUAAAAoRkAABsnAABfMQAAWSkAABAAAAAmAAAACAAAAAAAAAAAAAAAMAAAABQAAAAAAAAAAAD//wAAAQAAAP//AAABAA=="/>
+                <pr:smNativeData xmlns:pr="smNativeData" xmlns="smNativeData" val="SMDATA_16_a8OGZxMAAAAlAAAAZAAAAA8BAAAAkAAAAEgAAACQAAAASAAAAAAAAAABAAAAAAAAAAEAAABQAAAAAAAAAAAA4D8AAAAAAADgPwAAAAAAAOA/AAAAAAAA4D8AAAAAAADgPwAAAAAAAOA/AAAAAAAA4D8AAAAAAADgPwAAAAAAAOA/AAAAAAAA4D8CAAAAjAAAAAAAAAAAAAAAu+DjDP///wgAAAAAAAAAAAAAAAAAAAAAAAAAAAAAAAAAAAAAZAAAAAEAAABAAAAAAAAAAAAAAAAAAAAAAAAAAAAAAAAAAAAAAAAAAAAAAAAAAAAAAAAAAAAAAAAAAAAAAAAAAAAAAAAAAAAAAAAAAAAAAAAAAAAAAAAAAAAAAAAAAAAAFAAAADwAAAAAAAAAAAAAAAAAAAkUAAAAAQAAABQAAAAUAAAAFAAAAAEAAAAAAAAAZAAAAGQAAAAAAAAAZAAAAGQAAAAVAAAAYAAAAAAAAAAAAAAADwAAACADAAAAAAAAAAAAAAEAAACgMgAAVgcAAKr4//8BAAAAf39/AAEAAABkAAAAAAAAABQAAABAHwAAAAAAACYAAAAAAAAAwOD//wAAAAAmAAAAZAAAABYAAABMAAAAAAAAAAAAAAAEAAAAAAAAAAEAAACAgIAKAAAAACgAAAAoAAAAZAAAAGQAAAAAAAAAzMzMAAAAAABQAAAAUAAAAGQAAABkAAAAAAAAABcAAAAUAAAAAAAAAAAAAAD/fwAA/38AAAAAAAAJAAAABAAAAGE6c3AeAAAAaAAAAAAAAAAAAAAAAAAAAAAAAAAAAAAAECcAABAnAAAAAAAAAAAAAAAAAAAAAAAAAAAAAAAAAAAAAAAAAAAAABQAAAAAAAAAwMD/AAAAAABkAAAAMgAAAAAAAABkAAAAAAAAAH9/fwAKAAAAIgAAABgAAAAAAAAAAAAAAAAAAAAAAAAAAAAAAAAAAAAkAAAAJAAAAAAAAAAHAAAAAAAAAAAAAAAAAAAAAAAAAAAAAAAAAAAAf39/ACUAAABYAAAAAAAAAAAAAAAAAAAAAAAAAAAAAAAAAAAAAAAAAAAAAAAAAAAAAAAAAAAAAAA/AAAAAAAAAKCGAQAAAAAAAAAAAAAAAAAMAAAAAQAAAAAAAAAAAAAAAAAAAB8AAABUAAAAAAAABQAAAAEAAAAAAAAAAAAAAAAAAAAAAAAAAAAAAAAAAAAAAAAAAAAAAAJ/f38AAAAAA8zMzADAwP8Af39/AAAAAAAAAAAAAAAAAAAAAAAAAAAAIQAAABgAAAAUAAAAoRkAABsnAABfMQAAWSkAABAAAAAmAAAACAAAAAAAAAAAAAAAMAAAABQAAAAAAAAAAAD//wAAAQAAAP//AAABAA=="/>
               </a:ext>
             </a:extLst>
           </p:cNvSpPr>
@@ -572,7 +572,7 @@
             <a:spLocks noGrp="1" noChangeArrowheads="1"/>
             <a:extLst>
               <a:ext uri="smNativeData">
-                <pr:smNativeData xmlns:pr="smNativeData" xmlns="smNativeData" val="SMDATA_16_PryGZxMAAAAlAAAAZAAAAA8BAAAAkAAAAEgAAACQAAAASAAAAAAAAAABAAAAAAAAAAEAAABQAAAAAAAAAAAA4D8AAAAAAADgPwAAAAAAAOA/AAAAAAAA4D8AAAAAAADgPwAAAAAAAOA/AAAAAAAA4D8AAAAAAADgPwAAAAAAAOA/AAAAAAAA4D8CAAAAjAAAAAAAAAAAAAAAu+DjDP///wgAAAAAAAAAAAAAAAAAAAAAAAAAAAAAAAAAAAAAZAAAAAEAAABAAAAAAAAAAAAAAAAAAAAAAAAAAAAAAAAAAAAAAAAAAAAAAAAAAAAAAAAAAAAAAAAAAAAAAAAAAAAAAAAAAAAAAAAAAAAAAAAAAAAAAAAAAAAAAAAAAAAAFAAAADwAAAAAAAAAAAAAAAAAAAkUAAAAAQAAABQAAAAUAAAAFAAAAAEAAAAAAAAAZAAAAGQAAAAAAAAAZAAAAGQAAAAVAAAAYAAAAAAAAAAAAAAADwAAACADAAAAAAAAAAAAAAEAAACgMgAAVgcAAKr4//8BAAAAf39/AAEAAABkAAAAAAAAABQAAABAHwAAAAAAACYAAAAAAAAAwOD//wAAAAAmAAAAZAAAABYAAABMAAAAAAAAAAAAAAAEAAAAAAAAAAEAAACAgIAKAAAAACgAAAAoAAAAZAAAAGQAAAAAAAAAzMzMAAAAAABQAAAAUAAAAGQAAABkAAAAAAAAABcAAAAUAAAAAAAAAAAAAAD/fwAA/38AAAAAAAAJAAAABAAAAAAAAAAeAAAAaAAAAAAAAAAAAAAAAAAAAAAAAAAAAAAAECcAABAnAAAAAAAAAAAAAAAAAAAAAAAAAAAAAAAAAAAAAAAAAAAAABQAAAAAAAAAwMD/AAAAAABkAAAAMgAAAAAAAABkAAAAAAAAAH9/fwAKAAAAIgAAABgAAAAAAAAAAAAAAAAAAAAAAAAAAAAAAAAAAAAkAAAAJAAAAAAAAAAHAAAAAAAAAAAAAAAAAAAAAAAAAAAAAAAAAAAAf39/ACUAAABYAAAAAAAAAAAAAAAAAAAAAAAAAAAAAAAAAAAAAAAAAAAAAAAAAAAAAAAAAAAAAAA/AAAAAAAAAKCGAQAAAAAAAAAAAAAAAAAMAAAAAQAAAAAAAAAAAAAAAAAAAB8AAABUAAAAAAAABQAAAAEAAAAAAAAAAAAAAAAAAAAAAAAAAAAAAAAAAAAAAAAAAAAAAAJ/f38AAAAAA8zMzADAwP8Af39/AAAAAAAAAAAAAAAAAAAAAAAAAAAAIQAAABgAAAAUAAAAwTUAABsnAABARwAAWSkAABAAAAAmAAAACAAAAAAAAAAAAAAAMAAAABQAAAAAAAAAAAD//wAAAQAAAP//AAABAA=="/>
+                <pr:smNativeData xmlns:pr="smNativeData" xmlns="smNativeData" val="SMDATA_16_a8OGZxMAAAAlAAAAZAAAAA8BAAAAkAAAAEgAAACQAAAASAAAAAAAAAABAAAAAAAAAAEAAABQAAAAAAAAAAAA4D8AAAAAAADgPwAAAAAAAOA/AAAAAAAA4D8AAAAAAADgPwAAAAAAAOA/AAAAAAAA4D8AAAAAAADgPwAAAAAAAOA/AAAAAAAA4D8CAAAAjAAAAAAAAAAAAAAAu+DjDP///wgAAAAAAAAAAAAAAAAAAAAAAAAAAAAAAAAAAAAAZAAAAAEAAABAAAAAAAAAAAAAAAAAAAAAAAAAAAAAAAAAAAAAAAAAAAAAAAAAAAAAAAAAAAAAAAAAAAAAAAAAAAAAAAAAAAAAAAAAAAAAAAAAAAAAAAAAAAAAAAAAAAAAFAAAADwAAAAAAAAAAAAAAAAAAAkUAAAAAQAAABQAAAAUAAAAFAAAAAEAAAAAAAAAZAAAAGQAAAAAAAAAZAAAAGQAAAAVAAAAYAAAAAAAAAAAAAAADwAAACADAAAAAAAAAAAAAAEAAACgMgAAVgcAAKr4//8BAAAAf39/AAEAAABkAAAAAAAAABQAAABAHwAAAAAAACYAAAAAAAAAwOD//wAAAAAmAAAAZAAAABYAAABMAAAAAAAAAAAAAAAEAAAAAAAAAAEAAACAgIAKAAAAACgAAAAoAAAAZAAAAGQAAAAAAAAAzMzMAAAAAABQAAAAUAAAAGQAAABkAAAAAAAAABcAAAAUAAAAAAAAAAAAAAD/fwAA/38AAAAAAAAJAAAABAAAAAAAAAAeAAAAaAAAAAAAAAAAAAAAAAAAAAAAAAAAAAAAECcAABAnAAAAAAAAAAAAAAAAAAAAAAAAAAAAAAAAAAAAAAAAAAAAABQAAAAAAAAAwMD/AAAAAABkAAAAMgAAAAAAAABkAAAAAAAAAH9/fwAKAAAAIgAAABgAAAAAAAAAAAAAAAAAAAAAAAAAAAAAAAAAAAAkAAAAJAAAAAAAAAAHAAAAAAAAAAAAAAAAAAAAAAAAAAAAAAAAAAAAf39/ACUAAABYAAAAAAAAAAAAAAAAAAAAAAAAAAAAAAAAAAAAAAAAAAAAAAAAAAAAAAAAAAAAAAA/AAAAAAAAAKCGAQAAAAAAAAAAAAAAAAAMAAAAAQAAAAAAAAAAAAAAAAAAAB8AAABUAAAAAAAABQAAAAEAAAAAAAAAAAAAAAAAAAAAAAAAAAAAAAAAAAAAAAAAAAAAAAJ/f38AAAAAA8zMzADAwP8Af39/AAAAAAAAAAAAAAAAAAAAAAAAAAAAIQAAABgAAAAUAAAAwTUAABsnAABARwAAWSkAABAAAAAmAAAACAAAAAAAAAAAAAAAMAAAABQAAAAAAAAAAAD//wAAAQAAAP//AAABAA=="/>
               </a:ext>
             </a:extLst>
           </p:cNvSpPr>
@@ -586,7 +586,7 @@
           <a:lstStyle/>
           <a:p>
             <a:pPr/>
-            <a:fld id="{3D962CC3-8DD0-C3DA-9E2E-7B8F6260682E}" type="slidenum">
+            <a:fld id="{3C72BF76-38D1-2749-9FCA-CE1CF184699B}" type="slidenum">
               <a:t/>
             </a:fld>
           </a:p>
@@ -625,7 +625,7 @@
             <a:spLocks noGrp="1" noChangeArrowheads="1"/>
             <a:extLst>
               <a:ext uri="smNativeData">
-                <pr:smNativeData xmlns:pr="smNativeData" xmlns="smNativeData" val="SMDATA_16_PryGZxMAAAAlAAAAZAAAAA8BAAAAkAAAAEgAAACQAAAASAAAAAAAAAACAAAAAQAAAAEAAABQAAAAAAAAAAAA4D8AAAAAAADgPwAAAAAAAOA/AAAAAAAA4D8AAAAAAADgPwAAAAAAAOA/AAAAAAAA4D8AAAAAAADgPwAAAAAAAOA/AAAAAAAA4D8CAAAAjAAAAAAAAAAAAAAAu+DjDP///wgAAAAAAAAAAAAAAAAAAAAAAAAAAAAAAAAAAAAAZAAAAAEAAABAAAAAAAAAAAAAAAAAAAAAAAAAAAAAAAAAAAAAAAAAAAAAAAAAAAAAAAAAAAAAAAAAAAAAAAAAAAAAAAAAAAAAAAAAAAAAAAAAAAAAAAAAAAAAAAAAAAAAFAAAADwAAAAAAAAAAAAAAAAAAAkUAAAAAQAAABQAAAAUAAAAFAAAAAEAAAAAAAAAZAAAAGQAAAAAAAAAZAAAAGQAAAAVAAAAYAAAAAAAAAAAAAAADwAAACADAAAAAAAAAAAAAAEAAACgMgAAVgcAAKr4//8BAAAAf39/AAEAAABkAAAAAAAAABQAAABAHwAAAAAAACYAAAAAAAAAwOD//wAAAAAmAAAAZAAAABYAAABMAAAAAAAAAAAAAAAEAAAAAAAAAAEAAACAgIAKAAAAACgAAAAoAAAAZAAAAGQAAAAAAAAAzMzMAAAAAABQAAAAUAAAAGQAAABkAAAAAAAAABcAAAAUAAAAAAAAAAAAAAD/fwAA/38AAAAAAAAJAAAABAAAAAAAAAAeAAAAaAAAAAAAAAAAAAAAAAAAAAAAAAAAAAAAECcAABAnAAAAAAAAAAAAAAAAAAAAAAAAAAAAAAAAAAAAAAAAAAAAABQAAAAAAAAAwMD/AAAAAABkAAAAMgAAAAAAAABkAAAAAAAAAH9/fwAKAAAAIgAAABgAAAAAAAAAAAAAAAAAAAAAAAAAAAAAAAAAAAAkAAAAJAAAAAAAAAAHAAAAAAAAAAAAAAAAAAAAAAAAAAAAAAAAAAAAf39/ACUAAABYAAAAAAAAAAAAAAAAAAAAAAAAAAAAAAAAAAAAAAAAAAAAAAAAAAAAAAAAAAAAAAA/AAAAAAAAAKCGAQAAAAAAAAAAAAAAAAAMAAAAAQAAAAAAAAAAAAAAAAAAAB8AAABUAAAAAAAABQAAAAEAAAAAAAAAAAAAAAAAAAAAAAAAAAAAAAAAAAAAAAAAAAAAAAJ/f38AAAAAA8zMzADAwP8Af39/AAAAAAAAAAAAAAAAAAAAAAAAAAAAIQAAABgAAAAUAAAAYDYAALABAABARwAAsCUAABAAAAAmAAAACAAAAIMAAAAAAAAAMAAAABQAAAAAAAAAAAD//wAAAQAAAP//AAABAA=="/>
+                <pr:smNativeData xmlns:pr="smNativeData" xmlns="smNativeData" val="SMDATA_16_a8OGZxMAAAAlAAAAZAAAAA8BAAAAkAAAAEgAAACQAAAASAAAAAAAAAACAAAAAQAAAAEAAABQAAAAAAAAAAAA4D8AAAAAAADgPwAAAAAAAOA/AAAAAAAA4D8AAAAAAADgPwAAAAAAAOA/AAAAAAAA4D8AAAAAAADgPwAAAAAAAOA/AAAAAAAA4D8CAAAAjAAAAAAAAAAAAAAAu+DjDP///wgAAAAAAAAAAAAAAAAAAAAAAAAAAAAAAAAAAAAAZAAAAAEAAABAAAAAAAAAAAAAAAAAAAAAAAAAAAAAAAAAAAAAAAAAAAAAAAAAAAAAAAAAAAAAAAAAAAAAAAAAAAAAAAAAAAAAAAAAAAAAAAAAAAAAAAAAAAAAAAAAAAAAFAAAADwAAAAAAAAAAAAAAAAAAAkUAAAAAQAAABQAAAAUAAAAFAAAAAEAAAAAAAAAZAAAAGQAAAAAAAAAZAAAAGQAAAAVAAAAYAAAAAAAAAAAAAAADwAAACADAAAAAAAAAAAAAAEAAACgMgAAVgcAAKr4//8BAAAAf39/AAEAAABkAAAAAAAAABQAAABAHwAAAAAAACYAAAAAAAAAwOD//wAAAAAmAAAAZAAAABYAAABMAAAAAAAAAAAAAAAEAAAAAAAAAAEAAACAgIAKAAAAACgAAAAoAAAAZAAAAGQAAAAAAAAAzMzMAAAAAABQAAAAUAAAAGQAAABkAAAAAAAAABcAAAAUAAAAAAAAAAAAAAD/fwAA/38AAAAAAAAJAAAABAAAAAAAAAAeAAAAaAAAAAAAAAAAAAAAAAAAAAAAAAAAAAAAECcAABAnAAAAAAAAAAAAAAAAAAAAAAAAAAAAAAAAAAAAAAAAAAAAABQAAAAAAAAAwMD/AAAAAABkAAAAMgAAAAAAAABkAAAAAAAAAH9/fwAKAAAAIgAAABgAAAAAAAAAAAAAAAAAAAAAAAAAAAAAAAAAAAAkAAAAJAAAAAAAAAAHAAAAAAAAAAAAAAAAAAAAAAAAAAAAAAAAAAAAf39/ACUAAABYAAAAAAAAAAAAAAAAAAAAAAAAAAAAAAAAAAAAAAAAAAAAAAAAAAAAAAAAAAAAAAA/AAAAAAAAAKCGAQAAAAAAAAAAAAAAAAAMAAAAAQAAAAAAAAAAAAAAAAAAAB8AAABUAAAAAAAABQAAAAEAAAAAAAAAAAAAAAAAAAAAAAAAAAAAAAAAAAAAAAAAAAAAAAJ/f38AAAAAA8zMzADAwP8Af39/AAAAAAAAAAAAAAAAAAAAAAAAAAAAIQAAABgAAAAUAAAAYDYAALABAABARwAAsCUAABAAAAAmAAAACAAAAIMAAAAAAAAAMAAAABQAAAAAAAAAAAD//wAAAQAAAP//AAABAA=="/>
               </a:ext>
             </a:extLst>
           </p:cNvSpPr>
@@ -661,7 +661,7 @@
             <a:spLocks noGrp="1" noChangeArrowheads="1"/>
             <a:extLst>
               <a:ext uri="smNativeData">
-                <pr:smNativeData xmlns:pr="smNativeData" xmlns="smNativeData" val="SMDATA_16_PryGZxMAAAAlAAAAZAAAAA8BAAAAkAAAAEgAAACQAAAASAAAAAAAAAAAAAAAAQAAAAEAAABQAAAAAAAAAAAA4D8AAAAAAADgPwAAAAAAAOA/AAAAAAAA4D8AAAAAAADgPwAAAAAAAOA/AAAAAAAA4D8AAAAAAADgPwAAAAAAAOA/AAAAAAAA4D8CAAAAjAAAAAAAAAAAAAAAu+DjDP///wgAAAAAAAAAAAAAAAAAAAAAAAAAAAAAAAAAAAAAZAAAAAEAAABAAAAAAAAAAAAAAAAAAAAAAAAAAAAAAAAAAAAAAAAAAAAAAAAAAAAAAAAAAAAAAAAAAAAAAAAAAAAAAAAAAAAAAAAAAAAAAAAAAAAAAAAAAAAAAAAAAAAAFAAAADwAAAAAAAAAAAAAAAAAAAkUAAAAAQAAABQAAAAUAAAAFAAAAAEAAAAAAAAAZAAAAGQAAAAAAAAAZAAAAGQAAAAVAAAAYAAAAAAAAAAAAAAADwAAACADAAAAAAAAAAAAAAEAAACgMgAAVgcAAKr4//8BAAAAf39/AAEAAABkAAAAAAAAABQAAABAHwAAAAAAACYAAAAAAAAAwOD//wAAAAAmAAAAZAAAABYAAABMAAAAAAAAAAAAAAAEAAAAAAAAAAEAAACAgIAKAAAAACgAAAAoAAAAZAAAAGQAAAAAAAAAzMzMAAAAAABQAAAAUAAAAGQAAABkAAAAAAAAABcAAAAUAAAAAAAAAAAAAAD/fwAA/38AAAAAAAAJAAAABAAAAAAAAAAeAAAAaAAAAAAAAAAAAAAAAAAAAAAAAAAAAAAAECcAABAnAAAAAAAAAAAAAAAAAAAAAAAAAAAAAAAAAAAAAAAAAAAAABQAAAAAAAAAwMD/AAAAAABkAAAAMgAAAAAAAABkAAAAAAAAAH9/fwAKAAAAIgAAABgAAAAAAAAAAAAAAAAAAAAAAAAAAAAAAAAAAAAkAAAAJAAAAAAAAAAHAAAAAAAAAAAAAAAAAAAAAAAAAAAAAAAAAAAAf39/ACUAAABYAAAAAAAAAAAAAAAAAAAAAAAAAAAAAAAAAAAAAAAAAAAAAAAAAAAAAAAAAAAAAAA/AAAAAAAAAKCGAQAAAAAAAAAAAAAAAAAMAAAAAQAAAAAAAAAAAAAAAAAAAB8AAABUAAAAAAAABQAAAAEAAAAAAAAAAAAAAAAAAAAAAAAAAAAAAAAAAAAAAAAAAAAAAAJ/f38AAAAAA8zMzADAwP8Af39/AAAAAAAAAAAAAAAAAAAAAAAAAAAAIQAAABgAAAAUAAAAwAMAALABAAAfNQAAsCUAABAAAAAmAAAACAAAAAMAAAAAAAAAMAAAABQAAAAAAAAAAAD//wAAAQAAAP//AAABAA=="/>
+                <pr:smNativeData xmlns:pr="smNativeData" xmlns="smNativeData" val="SMDATA_16_a8OGZxMAAAAlAAAAZAAAAA8BAAAAkAAAAEgAAACQAAAASAAAAAAAAAAAAAAAAQAAAAEAAABQAAAAAAAAAAAA4D8AAAAAAADgPwAAAAAAAOA/AAAAAAAA4D8AAAAAAADgPwAAAAAAAOA/AAAAAAAA4D8AAAAAAADgPwAAAAAAAOA/AAAAAAAA4D8CAAAAjAAAAAAAAAAAAAAAu+DjDP///wgAAAAAAAAAAAAAAAAAAAAAAAAAAAAAAAAAAAAAZAAAAAEAAABAAAAAAAAAAAAAAAAAAAAAAAAAAAAAAAAAAAAAAAAAAAAAAAAAAAAAAAAAAAAAAAAAAAAAAAAAAAAAAAAAAAAAAAAAAAAAAAAAAAAAAAAAAAAAAAAAAAAAFAAAADwAAAAAAAAAAAAAAAAAAAkUAAAAAQAAABQAAAAUAAAAFAAAAAEAAAAAAAAAZAAAAGQAAAAAAAAAZAAAAGQAAAAVAAAAYAAAAAAAAAAAAAAADwAAACADAAAAAAAAAAAAAAEAAACgMgAAVgcAAKr4//8BAAAAf39/AAEAAABkAAAAAAAAABQAAABAHwAAAAAAACYAAAAAAAAAwOD//wAAAAAmAAAAZAAAABYAAABMAAAAAAAAAAAAAAAEAAAAAAAAAAEAAACAgIAKAAAAACgAAAAoAAAAZAAAAGQAAAAAAAAAzMzMAAAAAABQAAAAUAAAAGQAAABkAAAAAAAAABcAAAAUAAAAAAAAAAAAAAD/fwAA/38AAAAAAAAJAAAABAAAAAAAAAAeAAAAaAAAAAAAAAAAAAAAAAAAAAAAAAAAAAAAECcAABAnAAAAAAAAAAAAAAAAAAAAAAAAAAAAAAAAAAAAAAAAAAAAABQAAAAAAAAAwMD/AAAAAABkAAAAMgAAAAAAAABkAAAAAAAAAH9/fwAKAAAAIgAAABgAAAAAAAAAAAAAAAAAAAAAAAAAAAAAAAAAAAAkAAAAJAAAAAAAAAAHAAAAAAAAAAAAAAAAAAAAAAAAAAAAAAAAAAAAf39/ACUAAABYAAAAAAAAAAAAAAAAAAAAAAAAAAAAAAAAAAAAAAAAAAAAAAAAAAAAAAAAAAAAAAA/AAAAAAAAAKCGAQAAAAAAAAAAAAAAAAAMAAAAAQAAAAAAAAAAAAAAAAAAAB8AAABUAAAAAAAABQAAAAEAAAAAAAAAAAAAAAAAAAAAAAAAAAAAAAAAAAAAAAAAAAAAAAJ/f38AAAAAA8zMzADAwP8Af39/AAAAAAAAAAAAAAAAAAAAAAAAAAAAIQAAABgAAAAUAAAAwAMAALABAAAfNQAAsCUAABAAAAAmAAAACAAAAAMAAAAAAAAAMAAAABQAAAAAAAAAAAD//wAAAQAAAP//AAABAA=="/>
               </a:ext>
             </a:extLst>
           </p:cNvSpPr>
@@ -721,7 +721,7 @@
             <a:spLocks noGrp="1" noChangeArrowheads="1"/>
             <a:extLst>
               <a:ext uri="smNativeData">
-                <pr:smNativeData xmlns:pr="smNativeData" xmlns="smNativeData" val="SMDATA_16_PryGZxMAAAAlAAAAZAAAAA8BAAAAkAAAAEgAAACQAAAASAAAAAAAAAABAAAAAAAAAAEAAABQAAAAAAAAAAAA4D8AAAAAAADgPwAAAAAAAOA/AAAAAAAA4D8AAAAAAADgPwAAAAAAAOA/AAAAAAAA4D8AAAAAAADgPwAAAAAAAOA/AAAAAAAA4D8CAAAAjAAAAAAAAAAAAAAAu+DjDP///wgAAAAAAAAAAAAAAAAAAAAAAAAAAAAAAAAAAAAAZAAAAAEAAABAAAAAAAAAAAAAAAAAAAAAAAAAAAAAAAAAAAAAAAAAAAAAAAAAAAAAAAAAAAAAAAAAAAAAAAAAAAAAAAAAAAAAAAAAAAAAAAAAAAAAAAAAAAAAAAAAAAAAFAAAADwAAAAAAAAAAAAAAAAAAAkUAAAAAQAAABQAAAAUAAAAFAAAAAEAAAAAAAAAZAAAAGQAAAAAAAAAZAAAAGQAAAAVAAAAYAAAAAAAAAAAAAAADwAAACADAAAAAAAAAAAAAAEAAACgMgAAVgcAAKr4//8BAAAAf39/AAEAAABkAAAAAAAAABQAAABAHwAAAAAAACYAAAAAAAAAwOD//wAAAAAmAAAAZAAAABYAAABMAAAAAAAAAAAAAAAEAAAAAAAAAAEAAACAgIAKAAAAACgAAAAoAAAAZAAAAGQAAAAAAAAAzMzMAAAAAABQAAAAUAAAAGQAAABkAAAAAAAAABcAAAAUAAAAAAAAAAAAAAD/fwAA/38AAAAAAAAJAAAABAAAAAAAAAAeAAAAaAAAAAAAAAAAAAAAAAAAAAAAAAAAAAAAECcAABAnAAAAAAAAAAAAAAAAAAAAAAAAAAAAAAAAAAAAAAAAAAAAABQAAAAAAAAAwMD/AAAAAABkAAAAMgAAAAAAAABkAAAAAAAAAH9/fwAKAAAAIgAAABgAAAAAAAAAAAAAAAAAAAAAAAAAAAAAAAAAAAAkAAAAJAAAAAAAAAAHAAAAAAAAAAAAAAAAAAAAAAAAAAAAAAAAAAAAf39/ACUAAABYAAAAAAAAAAAAAAAAAAAAAAAAAAAAAAAAAAAAAAAAAAAAAAAAAAAAAAAAAAAAAAA/AAAAAAAAAKCGAQAAAAAAAAAAAAAAAAAMAAAAAQAAAAAAAAAAAAAAAAAAAB8AAABUAAAAAAAABQAAAAEAAAAAAAAAAAAAAAAAAAAAAAAAAAAAAAAAAAAAAAAAAAAAAAJ/f38AAAAAA8zMzADAwP8Af39/AAAAAAAAAAAAAAAAAAAAAAAAAAAAIQAAABgAAAAUAAAAwAMAABsnAAA/FQAAWSkAABAAAAAmAAAACAAAAAAAAAAAAAAAMAAAABQAAAAAAAAAAAD//wAAAQAAAP//AAABAA=="/>
+                <pr:smNativeData xmlns:pr="smNativeData" xmlns="smNativeData" val="SMDATA_16_a8OGZxMAAAAlAAAAZAAAAA8BAAAAkAAAAEgAAACQAAAASAAAAAAAAAABAAAAAAAAAAEAAABQAAAAAAAAAAAA4D8AAAAAAADgPwAAAAAAAOA/AAAAAAAA4D8AAAAAAADgPwAAAAAAAOA/AAAAAAAA4D8AAAAAAADgPwAAAAAAAOA/AAAAAAAA4D8CAAAAjAAAAAAAAAAAAAAAu+DjDP///wgAAAAAAAAAAAAAAAAAAAAAAAAAAAAAAAAAAAAAZAAAAAEAAABAAAAAAAAAAAAAAAAAAAAAAAAAAAAAAAAAAAAAAAAAAAAAAAAAAAAAAAAAAAAAAAAAAAAAAAAAAAAAAAAAAAAAAAAAAAAAAAAAAAAAAAAAAAAAAAAAAAAAFAAAADwAAAAAAAAAAAAAAAAAAAkUAAAAAQAAABQAAAAUAAAAFAAAAAEAAAAAAAAAZAAAAGQAAAAAAAAAZAAAAGQAAAAVAAAAYAAAAAAAAAAAAAAADwAAACADAAAAAAAAAAAAAAEAAACgMgAAVgcAAKr4//8BAAAAf39/AAEAAABkAAAAAAAAABQAAABAHwAAAAAAACYAAAAAAAAAwOD//wAAAAAmAAAAZAAAABYAAABMAAAAAAAAAAAAAAAEAAAAAAAAAAEAAACAgIAKAAAAACgAAAAoAAAAZAAAAGQAAAAAAAAAzMzMAAAAAABQAAAAUAAAAGQAAABkAAAAAAAAABcAAAAUAAAAAAAAAAAAAAD/fwAA/38AAAAAAAAJAAAABAAAAAAAAAAeAAAAaAAAAAAAAAAAAAAAAAAAAAAAAAAAAAAAECcAABAnAAAAAAAAAAAAAAAAAAAAAAAAAAAAAAAAAAAAAAAAAAAAABQAAAAAAAAAwMD/AAAAAABkAAAAMgAAAAAAAABkAAAAAAAAAH9/fwAKAAAAIgAAABgAAAAAAAAAAAAAAAAAAAAAAAAAAAAAAAAAAAAkAAAAJAAAAAAAAAAHAAAAAAAAAAAAAAAAAAAAAAAAAAAAAAAAAAAAf39/ACUAAABYAAAAAAAAAAAAAAAAAAAAAAAAAAAAAAAAAAAAAAAAAAAAAAAAAAAAAAAAAAAAAAA/AAAAAAAAAKCGAQAAAAAAAAAAAAAAAAAMAAAAAQAAAAAAAAAAAAAAAAAAAB8AAABUAAAAAAAABQAAAAEAAAAAAAAAAAAAAAAAAAAAAAAAAAAAAAAAAAAAAAAAAAAAAAJ/f38AAAAAA8zMzADAwP8Af39/AAAAAAAAAAAAAAAAAAAAAAAAAAAAIQAAABgAAAAUAAAAwAMAABsnAAA/FQAAWSkAABAAAAAmAAAACAAAAAAAAAAAAAAAMAAAABQAAAAAAAAAAAD//wAAAQAAAP//AAABAA=="/>
               </a:ext>
             </a:extLst>
           </p:cNvSpPr>
@@ -735,7 +735,7 @@
           <a:lstStyle/>
           <a:p>
             <a:pPr/>
-            <a:fld id="{3D966128-66D0-C397-9E2E-90C22F6068C5}" type="datetime1">
+            <a:fld id="{3C72F8CD-83D1-270E-9FCA-755BB6846920}" type="datetime1">
               <a:t/>
             </a:fld>
           </a:p>
@@ -748,7 +748,7 @@
             <a:spLocks noGrp="1" noChangeArrowheads="1"/>
             <a:extLst>
               <a:ext uri="smNativeData">
-                <pr:smNativeData xmlns:pr="smNativeData" xmlns="smNativeData" val="SMDATA_16_PryGZxMAAAAlAAAAZAAAAA8BAAAAkAAAAEgAAACQAAAASAAAAAAAAAABAAAAAAAAAAEAAABQAAAAAAAAAAAA4D8AAAAAAADgPwAAAAAAAOA/AAAAAAAA4D8AAAAAAADgPwAAAAAAAOA/AAAAAAAA4D8AAAAAAADgPwAAAAAAAOA/AAAAAAAA4D8CAAAAjAAAAAAAAAAAAAAAu+DjDP///wgAAAAAAAAAAAAAAAAAAAAAAAAAAAAAAAAAAAAAZAAAAAEAAABAAAAAAAAAAAAAAAAAAAAAAAAAAAAAAAAAAAAAAAAAAAAAAAAAAAAAAAAAAAAAAAAAAAAAAAAAAAAAAAAAAAAAAAAAAAAAAAAAAAAAAAAAAAAAAAAAAAAAFAAAADwAAAAAAAAAAAAAAAAAAAkUAAAAAQAAABQAAAAUAAAAFAAAAAEAAAAAAAAAZAAAAGQAAAAAAAAAZAAAAGQAAAAVAAAAYAAAAAAAAAAAAAAADwAAACADAAAAAAAAAAAAAAEAAACgMgAAVgcAAKr4//8BAAAAf39/AAEAAABkAAAAAAAAABQAAABAHwAAAAAAACYAAAAAAAAAwOD//wAAAAAmAAAAZAAAABYAAABMAAAAAAAAAAAAAAAEAAAAAAAAAAEAAACAgIAKAAAAACgAAAAoAAAAZAAAAGQAAAAAAAAAzMzMAAAAAABQAAAAUAAAAGQAAABkAAAAAAAAABcAAAAUAAAAAAAAAAAAAAD/fwAA/38AAAAAAAAJAAAABAAAAAAAAAAeAAAAaAAAAAAAAAAAAAAAAAAAAAAAAAAAAAAAECcAABAnAAAAAAAAAAAAAAAAAAAAAAAAAAAAAAAAAAAAAAAAAAAAABQAAAAAAAAAwMD/AAAAAABkAAAAMgAAAAAAAABkAAAAAAAAAH9/fwAKAAAAIgAAABgAAAAAAAAAAAAAAAAAAAAAAAAAAAAAAAAAAAAkAAAAJAAAAAAAAAAHAAAAAAAAAAAAAAAAAAAAAAAAAAAAAAAAAAAAf39/ACUAAABYAAAAAAAAAAAAAAAAAAAAAAAAAAAAAAAAAAAAAAAAAAAAAAAAAAAAAAAAAAAAAAA/AAAAAAAAAKCGAQAAAAAAAAAAAAAAAAAMAAAAAQAAAAAAAAAAAAAAAAAAAB8AAABUAAAAAAAABQAAAAEAAAAAAAAAAAAAAAAAAAAAAAAAAAAAAAAAAAAAAAAAAAAAAAJ/f38AAAAAA8zMzADAwP8Af39/AAAAAAAAAAAAAAAAAAAAAAAAAAAAIQAAABgAAAAUAAAAoRkAABsnAABfMQAAWSkAABAAAAAmAAAACAAAAAAAAAAAAAAAMAAAABQAAAAAAAAAAAD//wAAAQAAAP//AAABAA=="/>
+                <pr:smNativeData xmlns:pr="smNativeData" xmlns="smNativeData" val="SMDATA_16_a8OGZxMAAAAlAAAAZAAAAA8BAAAAkAAAAEgAAACQAAAASAAAAAAAAAABAAAAAAAAAAEAAABQAAAAAAAAAAAA4D8AAAAAAADgPwAAAAAAAOA/AAAAAAAA4D8AAAAAAADgPwAAAAAAAOA/AAAAAAAA4D8AAAAAAADgPwAAAAAAAOA/AAAAAAAA4D8CAAAAjAAAAAAAAAAAAAAAu+DjDP///wgAAAAAAAAAAAAAAAAAAAAAAAAAAAAAAAAAAAAAZAAAAAEAAABAAAAAAAAAAAAAAAAAAAAAAAAAAAAAAAAAAAAAAAAAAAAAAAAAAAAAAAAAAAAAAAAAAAAAAAAAAAAAAAAAAAAAAAAAAAAAAAAAAAAAAAAAAAAAAAAAAAAAFAAAADwAAAAAAAAAAAAAAAAAAAkUAAAAAQAAABQAAAAUAAAAFAAAAAEAAAAAAAAAZAAAAGQAAAAAAAAAZAAAAGQAAAAVAAAAYAAAAAAAAAAAAAAADwAAACADAAAAAAAAAAAAAAEAAACgMgAAVgcAAKr4//8BAAAAf39/AAEAAABkAAAAAAAAABQAAABAHwAAAAAAACYAAAAAAAAAwOD//wAAAAAmAAAAZAAAABYAAABMAAAAAAAAAAAAAAAEAAAAAAAAAAEAAACAgIAKAAAAACgAAAAoAAAAZAAAAGQAAAAAAAAAzMzMAAAAAABQAAAAUAAAAGQAAABkAAAAAAAAABcAAAAUAAAAAAAAAAAAAAD/fwAA/38AAAAAAAAJAAAABAAAAAAAAAAeAAAAaAAAAAAAAAAAAAAAAAAAAAAAAAAAAAAAECcAABAnAAAAAAAAAAAAAAAAAAAAAAAAAAAAAAAAAAAAAAAAAAAAABQAAAAAAAAAwMD/AAAAAABkAAAAMgAAAAAAAABkAAAAAAAAAH9/fwAKAAAAIgAAABgAAAAAAAAAAAAAAAAAAAAAAAAAAAAAAAAAAAAkAAAAJAAAAAAAAAAHAAAAAAAAAAAAAAAAAAAAAAAAAAAAAAAAAAAAf39/ACUAAABYAAAAAAAAAAAAAAAAAAAAAAAAAAAAAAAAAAAAAAAAAAAAAAAAAAAAAAAAAAAAAAA/AAAAAAAAAKCGAQAAAAAAAAAAAAAAAAAMAAAAAQAAAAAAAAAAAAAAAAAAAB8AAABUAAAAAAAABQAAAAEAAAAAAAAAAAAAAAAAAAAAAAAAAAAAAAAAAAAAAAAAAAAAAAJ/f38AAAAAA8zMzADAwP8Af39/AAAAAAAAAAAAAAAAAAAAAAAAAAAAIQAAABgAAAAUAAAAoRkAABsnAABfMQAAWSkAABAAAAAmAAAACAAAAAAAAAAAAAAAMAAAABQAAAAAAAAAAAD//wAAAQAAAP//AAABAA=="/>
               </a:ext>
             </a:extLst>
           </p:cNvSpPr>
@@ -772,7 +772,7 @@
             <a:spLocks noGrp="1" noChangeArrowheads="1"/>
             <a:extLst>
               <a:ext uri="smNativeData">
-                <pr:smNativeData xmlns:pr="smNativeData" xmlns="smNativeData" val="SMDATA_16_PryGZxMAAAAlAAAAZAAAAA8BAAAAkAAAAEgAAACQAAAASAAAAAAAAAABAAAAAAAAAAEAAABQAAAAAAAAAAAA4D8AAAAAAADgPwAAAAAAAOA/AAAAAAAA4D8AAAAAAADgPwAAAAAAAOA/AAAAAAAA4D8AAAAAAADgPwAAAAAAAOA/AAAAAAAA4D8CAAAAjAAAAAAAAAAAAAAAu+DjDP///wgAAAAAAAAAAAAAAAAAAAAAAAAAAAAAAAAAAAAAZAAAAAEAAABAAAAAAAAAAAAAAAAAAAAAAAAAAAAAAAAAAAAAAAAAAAAAAAAAAAAAAAAAAAAAAAAAAAAAAAAAAAAAAAAAAAAAAAAAAAAAAAAAAAAAAAAAAAAAAAAAAAAAFAAAADwAAAAAAAAAAAAAAAAAAAkUAAAAAQAAABQAAAAUAAAAFAAAAAEAAAAAAAAAZAAAAGQAAAAAAAAAZAAAAGQAAAAVAAAAYAAAAAAAAAAAAAAADwAAACADAAAAAAAAAAAAAAEAAACgMgAAVgcAAKr4//8BAAAAf39/AAEAAABkAAAAAAAAABQAAABAHwAAAAAAACYAAAAAAAAAwOD//wAAAAAmAAAAZAAAABYAAABMAAAAAAAAAAAAAAAEAAAAAAAAAAEAAACAgIAKAAAAACgAAAAoAAAAZAAAAGQAAAAAAAAAzMzMAAAAAABQAAAAUAAAAGQAAABkAAAAAAAAABcAAAAUAAAAAAAAAAAAAAD/fwAA/38AAAAAAAAJAAAABAAAAAAAAAAeAAAAaAAAAAAAAAAAAAAAAAAAAAAAAAAAAAAAECcAABAnAAAAAAAAAAAAAAAAAAAAAAAAAAAAAAAAAAAAAAAAAAAAABQAAAAAAAAAwMD/AAAAAABkAAAAMgAAAAAAAABkAAAAAAAAAH9/fwAKAAAAIgAAABgAAAAAAAAAAAAAAAAAAAAAAAAAAAAAAAAAAAAkAAAAJAAAAAAAAAAHAAAAAAAAAAAAAAAAAAAAAAAAAAAAAAAAAAAAf39/ACUAAABYAAAAAAAAAAAAAAAAAAAAAAAAAAAAAAAAAAAAAAAAAAAAAAAAAAAAAAAAAAAAAAA/AAAAAAAAAKCGAQAAAAAAAAAAAAAAAAAMAAAAAQAAAAAAAAAAAAAAAAAAAB8AAABUAAAAAAAABQAAAAEAAAAAAAAAAAAAAAAAAAAAAAAAAAAAAAAAAAAAAAAAAAAAAAJ/f38AAAAAA8zMzADAwP8Af39/AAAAAAAAAAAAAAAAAAAAAAAAAAAAIQAAABgAAAAUAAAAwTUAABsnAABARwAAWSkAABAAAAAmAAAACAAAAAAAAAAAAAAAMAAAABQAAAAAAAAAAAD//wAAAQAAAP//AAABAA=="/>
+                <pr:smNativeData xmlns:pr="smNativeData" xmlns="smNativeData" val="SMDATA_16_a8OGZxMAAAAlAAAAZAAAAA8BAAAAkAAAAEgAAACQAAAASAAAAAAAAAABAAAAAAAAAAEAAABQAAAAAAAAAAAA4D8AAAAAAADgPwAAAAAAAOA/AAAAAAAA4D8AAAAAAADgPwAAAAAAAOA/AAAAAAAA4D8AAAAAAADgPwAAAAAAAOA/AAAAAAAA4D8CAAAAjAAAAAAAAAAAAAAAu+DjDP///wgAAAAAAAAAAAAAAAAAAAAAAAAAAAAAAAAAAAAAZAAAAAEAAABAAAAAAAAAAAAAAAAAAAAAAAAAAAAAAAAAAAAAAAAAAAAAAAAAAAAAAAAAAAAAAAAAAAAAAAAAAAAAAAAAAAAAAAAAAAAAAAAAAAAAAAAAAAAAAAAAAAAAFAAAADwAAAAAAAAAAAAAAAAAAAkUAAAAAQAAABQAAAAUAAAAFAAAAAEAAAAAAAAAZAAAAGQAAAAAAAAAZAAAAGQAAAAVAAAAYAAAAAAAAAAAAAAADwAAACADAAAAAAAAAAAAAAEAAACgMgAAVgcAAKr4//8BAAAAf39/AAEAAABkAAAAAAAAABQAAABAHwAAAAAAACYAAAAAAAAAwOD//wAAAAAmAAAAZAAAABYAAABMAAAAAAAAAAAAAAAEAAAAAAAAAAEAAACAgIAKAAAAACgAAAAoAAAAZAAAAGQAAAAAAAAAzMzMAAAAAABQAAAAUAAAAGQAAABkAAAAAAAAABcAAAAUAAAAAAAAAAAAAAD/fwAA/38AAAAAAAAJAAAABAAAAAAAAAAeAAAAaAAAAAAAAAAAAAAAAAAAAAAAAAAAAAAAECcAABAnAAAAAAAAAAAAAAAAAAAAAAAAAAAAAAAAAAAAAAAAAAAAABQAAAAAAAAAwMD/AAAAAABkAAAAMgAAAAAAAABkAAAAAAAAAH9/fwAKAAAAIgAAABgAAAAAAAAAAAAAAAAAAAAAAAAAAAAAAAAAAAAkAAAAJAAAAAAAAAAHAAAAAAAAAAAAAAAAAAAAAAAAAAAAAAAAAAAAf39/ACUAAABYAAAAAAAAAAAAAAAAAAAAAAAAAAAAAAAAAAAAAAAAAAAAAAAAAAAAAAAAAAAAAAA/AAAAAAAAAKCGAQAAAAAAAAAAAAAAAAAMAAAAAQAAAAAAAAAAAAAAAAAAAB8AAABUAAAAAAAABQAAAAEAAAAAAAAAAAAAAAAAAAAAAAAAAAAAAAAAAAAAAAAAAAAAAAJ/f38AAAAAA8zMzADAwP8Af39/AAAAAAAAAAAAAAAAAAAAAAAAAAAAIQAAABgAAAAUAAAAwTUAABsnAABARwAAWSkAABAAAAAmAAAACAAAAAAAAAAAAAAAMAAAABQAAAAAAAAAAAD//wAAAQAAAP//AAABAA=="/>
               </a:ext>
             </a:extLst>
           </p:cNvSpPr>
@@ -786,7 +786,7 @@
           <a:lstStyle/>
           <a:p>
             <a:pPr/>
-            <a:fld id="{3D9610AA-E4D0-C3E6-9E2E-12B35E606847}" type="slidenum">
+            <a:fld id="{3C72E4B0-FED1-2712-9FCA-0847AA84695D}" type="slidenum">
               <a:t/>
             </a:fld>
           </a:p>
@@ -825,7 +825,7 @@
             <a:spLocks noGrp="1" noChangeArrowheads="1"/>
             <a:extLst>
               <a:ext uri="smNativeData">
-                <pr:smNativeData xmlns:pr="smNativeData" xmlns="smNativeData" val="SMDATA_16_PryGZxMAAAAlAAAAZAAAAA8BAAAAkAAAAEgAAACQAAAASAAAAAAAAAABAAAAAAAAAAEAAABQAAAAAAAAAAAA4D8AAAAAAADgPwAAAAAAAOA/AAAAAAAA4D8AAAAAAADgPwAAAAAAAOA/AAAAAAAA4D8AAAAAAADgPwAAAAAAAOA/AAAAAAAA4D8CAAAAjAAAAAAAAAAAAAAAu+DjDP///wgAAAAAAAAAAAAAAAAAAAAAAAAAAAAAAAAAAAAAZAAAAAEAAABAAAAAAAAAAAAAAAAAAAAAAAAAAAAAAAAAAAAAAAAAAAAAAAAAAAAAAAAAAAAAAAAAAAAAAAAAAAAAAAAAAAAAAAAAAAAAAAAAAAAAAAAAAAAAAAAAAAAAFAAAADwAAAAAAAAAAAAAAAAAAAkUAAAAAQAAABQAAAAUAAAAFAAAAAEAAAAAAAAAZAAAAGQAAAAAAAAAZAAAAGQAAAAVAAAAYAAAAAAAAAAAAAAADwAAACADAAAAAAAAAAAAAAEAAACgMgAAVgcAAKr4//8BAAAAf39/AAEAAABkAAAAAAAAABQAAABAHwAAAAAAACYAAAAAAAAAwOD//wAAAAAmAAAAZAAAABYAAABMAAAAAAAAAAAAAAAEAAAAAAAAAAEAAACAgIAKAAAAACgAAAAoAAAAZAAAAGQAAAAAAAAAzMzMAAAAAABQAAAAUAAAAGQAAABkAAAAAAAAABcAAAAUAAAAAAAAAAAAAAD/fwAA/38AAAAAAAAJAAAABAAAAAAAAAAeAAAAaAAAAAAAAAAAAAAAAAAAAAAAAAAAAAAAECcAABAnAAAAAAAAAAAAAAAAAAAAAAAAAAAAAAAAAAAAAAAAAAAAABQAAAAAAAAAwMD/AAAAAABkAAAAMgAAAAAAAABkAAAAAAAAAH9/fwAKAAAAIgAAABgAAAAAAAAAAAAAAAAAAAAAAAAAAAAAAAAAAAAkAAAAJAAAAAAAAAAHAAAAAAAAAAAAAAAAAAAAAAAAAAAAAAAAAAAAf39/ACUAAABYAAAAAAAAAAAAAAAAAAAAAAAAAAAAAAAAAAAAAAAAAAAAAAAAAAAAAAAAAAAAAAA/AAAAAAAAAKCGAQAAAAAAAAAAAAAAAAAMAAAAAQAAAAAAAAAAAAAAAAAAAB8AAABUAAAAAAAABQAAAAEAAAAAAAAAAAAAAAAAAAAAAAAAAAAAAAAAAAAAAAAAAAAAAAJ/f38AAAAAA8zMzADAwP8Af39/AAAAAAAAAAAAAAAAAAAAAAAAAAAAIQAAABgAAAAUAAAAwAMAALABAABARwAAuAgAABAAAAAmAAAACAAAAAAAAAAAAAAAMAAAABQAAAAAAAAAAAD//wAAAQAAAP//AAABAA=="/>
+                <pr:smNativeData xmlns:pr="smNativeData" xmlns="smNativeData" val="SMDATA_16_a8OGZxMAAAAlAAAAZAAAAA8BAAAAkAAAAEgAAACQAAAASAAAAAAAAAABAAAAAAAAAAEAAABQAAAAAAAAAAAA4D8AAAAAAADgPwAAAAAAAOA/AAAAAAAA4D8AAAAAAADgPwAAAAAAAOA/AAAAAAAA4D8AAAAAAADgPwAAAAAAAOA/AAAAAAAA4D8CAAAAjAAAAAAAAAAAAAAAu+DjDP///wgAAAAAAAAAAAAAAAAAAAAAAAAAAAAAAAAAAAAAZAAAAAEAAABAAAAAAAAAAAAAAAAAAAAAAAAAAAAAAAAAAAAAAAAAAAAAAAAAAAAAAAAAAAAAAAAAAAAAAAAAAAAAAAAAAAAAAAAAAAAAAAAAAAAAAAAAAAAAAAAAAAAAFAAAADwAAAAAAAAAAAAAAAAAAAkUAAAAAQAAABQAAAAUAAAAFAAAAAEAAAAAAAAAZAAAAGQAAAAAAAAAZAAAAGQAAAAVAAAAYAAAAAAAAAAAAAAADwAAACADAAAAAAAAAAAAAAEAAACgMgAAVgcAAKr4//8BAAAAf39/AAEAAABkAAAAAAAAABQAAABAHwAAAAAAACYAAAAAAAAAwOD//wAAAAAmAAAAZAAAABYAAABMAAAAAAAAAAAAAAAEAAAAAAAAAAEAAACAgIAKAAAAACgAAAAoAAAAZAAAAGQAAAAAAAAAzMzMAAAAAABQAAAAUAAAAGQAAABkAAAAAAAAABcAAAAUAAAAAAAAAAAAAAD/fwAA/38AAAAAAAAJAAAABAAAAAAAAAAeAAAAaAAAAAAAAAAAAAAAAAAAAAAAAAAAAAAAECcAABAnAAAAAAAAAAAAAAAAAAAAAAAAAAAAAAAAAAAAAAAAAAAAABQAAAAAAAAAwMD/AAAAAABkAAAAMgAAAAAAAABkAAAAAAAAAH9/fwAKAAAAIgAAABgAAAAAAAAAAAAAAAAAAAAAAAAAAAAAAAAAAAAkAAAAJAAAAAAAAAAHAAAAAAAAAAAAAAAAAAAAAAAAAAAAAAAAAAAAf39/ACUAAABYAAAAAAAAAAAAAAAAAAAAAAAAAAAAAAAAAAAAAAAAAAAAAAAAAAAAAAAAAAAAAAA/AAAAAAAAAKCGAQAAAAAAAAAAAAAAAAAMAAAAAQAAAAAAAAAAAAAAAAAAAB8AAABUAAAAAAAABQAAAAEAAAAAAAAAAAAAAAAAAAAAAAAAAAAAAAAAAAAAAAAAAAAAAAJ/f38AAAAAA8zMzADAwP8Af39/AAAAAAAAAAAAAAAAAAAAAAAAAAAAIQAAABgAAAAUAAAAwAMAALABAABARwAAuAgAABAAAAAmAAAACAAAAAAAAAAAAAAAMAAAABQAAAAAAAAAAAD//wAAAQAAAP//AAABAA=="/>
               </a:ext>
             </a:extLst>
           </p:cNvSpPr>
@@ -852,7 +852,7 @@
             <a:spLocks noGrp="1" noChangeArrowheads="1"/>
             <a:extLst>
               <a:ext uri="smNativeData">
-                <pr:smNativeData xmlns:pr="smNativeData" xmlns="smNativeData" val="SMDATA_16_PryGZxMAAAAlAAAAZAAAAA8BAAAAkAAAAEgAAACQAAAASAAAAAAAAAAAAAAAAAAAAAEAAABQAAAAAAAAAAAA4D8AAAAAAADgPwAAAAAAAOA/AAAAAAAA4D8AAAAAAADgPwAAAAAAAOA/AAAAAAAA4D8AAAAAAADgPwAAAAAAAOA/AAAAAAAA4D8CAAAAjAAAAAAAAAAAAAAAu+DjDP///wgAAAAAAAAAAAAAAAAAAAAAAAAAAAAAAAAAAAAAZAAAAAEAAABAAAAAAAAAAAAAAAAAAAAAAAAAAAAAAAAAAAAAAAAAAAAAAAAAAAAAAAAAAAAAAAAAAAAAAAAAAAAAAAAAAAAAAAAAAAAAAAAAAAAAAAAAAAAAAAAAAAAAFAAAADwAAAAAAAAAAAAAAAAAAAkUAAAAAQAAABQAAAAUAAAAFAAAAAEAAAAAAAAAZAAAAGQAAAAAAAAAZAAAAGQAAAAVAAAAYAAAAAAAAAAAAAAADwAAACADAAAAAAAAAAAAAAEAAACgMgAAVgcAAKr4//8BAAAAf39/AAEAAABkAAAAAAAAABQAAABAHwAAAAAAACYAAAAAAAAAwOD//wAAAAAmAAAAZAAAABYAAABMAAAAAAAAAAAAAAAEAAAAAAAAAAEAAACAgIAKAAAAACgAAAAoAAAAZAAAAGQAAAAAAAAAzMzMAAAAAABQAAAAUAAAAGQAAABkAAAAAAAAABcAAAAUAAAAAAAAAAAAAAD/fwAA/38AAAAAAAAJAAAABAAAAAAAAAAeAAAAaAAAAAAAAAAAAAAAAAAAAAAAAAAAAAAAECcAABAnAAAAAAAAAAAAAAAAAAAAAAAAAAAAAAAAAAAAAAAAAAAAABQAAAAAAAAAwMD/AAAAAABkAAAAMgAAAAAAAABkAAAAAAAAAH9/fwAKAAAAIgAAABgAAAAAAAAAAAAAAAAAAAAAAAAAAAAAAAAAAAAkAAAAJAAAAAAAAAAHAAAAAAAAAAAAAAAAAAAAAAAAAAAAAAAAAAAAf39/ACUAAABYAAAAAAAAAAAAAAAAAAAAAAAAAAAAAAAAAAAAAAAAAAAAAAAAAAAAAAAAAAAAAAA/AAAAAAAAAKCGAQAAAAAAAAAAAAAAAAAMAAAAAQAAAAAAAAAAAAAAAAAAAB8AAABUAAAAAAAABQAAAAEAAAAAAAAAAAAAAAAAAAAAAAAAAAAAAAAAAAAAAAAAAAAAAAJ/f38AAAAAA8zMzADAwP8Af39/AAAAAAAAAAAAAAAAAAAAAAAAAAAAIQAAABgAAAAUAAAAwAMAANgJAABARwAAsCUAABAAAAAmAAAACAAAAAAAAAAAAAAAMAAAABQAAAAAAAAAAAD//wAAAQAAAP//AAABAA=="/>
+                <pr:smNativeData xmlns:pr="smNativeData" xmlns="smNativeData" val="SMDATA_16_a8OGZxMAAAAlAAAAZAAAAA8BAAAAkAAAAEgAAACQAAAASAAAAAAAAAAAAAAAAAAAAAEAAABQAAAAAAAAAAAA4D8AAAAAAADgPwAAAAAAAOA/AAAAAAAA4D8AAAAAAADgPwAAAAAAAOA/AAAAAAAA4D8AAAAAAADgPwAAAAAAAOA/AAAAAAAA4D8CAAAAjAAAAAAAAAAAAAAAu+DjDP///wgAAAAAAAAAAAAAAAAAAAAAAAAAAAAAAAAAAAAAZAAAAAEAAABAAAAAAAAAAAAAAAAAAAAAAAAAAAAAAAAAAAAAAAAAAAAAAAAAAAAAAAAAAAAAAAAAAAAAAAAAAAAAAAAAAAAAAAAAAAAAAAAAAAAAAAAAAAAAAAAAAAAAFAAAADwAAAAAAAAAAAAAAAAAAAkUAAAAAQAAABQAAAAUAAAAFAAAAAEAAAAAAAAAZAAAAGQAAAAAAAAAZAAAAGQAAAAVAAAAYAAAAAAAAAAAAAAADwAAACADAAAAAAAAAAAAAAEAAACgMgAAVgcAAKr4//8BAAAAf39/AAEAAABkAAAAAAAAABQAAABAHwAAAAAAACYAAAAAAAAAwOD//wAAAAAmAAAAZAAAABYAAABMAAAAAAAAAAAAAAAEAAAAAAAAAAEAAACAgIAKAAAAACgAAAAoAAAAZAAAAGQAAAAAAAAAzMzMAAAAAABQAAAAUAAAAGQAAABkAAAAAAAAABcAAAAUAAAAAAAAAAAAAAD/fwAA/38AAAAAAAAJAAAABAAAAAAAAAAeAAAAaAAAAAAAAAAAAAAAAAAAAAAAAAAAAAAAECcAABAnAAAAAAAAAAAAAAAAAAAAAAAAAAAAAAAAAAAAAAAAAAAAABQAAAAAAAAAwMD/AAAAAABkAAAAMgAAAAAAAABkAAAAAAAAAH9/fwAKAAAAIgAAABgAAAAAAAAAAAAAAAAAAAAAAAAAAAAAAAAAAAAkAAAAJAAAAAAAAAAHAAAAAAAAAAAAAAAAAAAAAAAAAAAAAAAAAAAAf39/ACUAAABYAAAAAAAAAAAAAAAAAAAAAAAAAAAAAAAAAAAAAAAAAAAAAAAAAAAAAAAAAAAAAAA/AAAAAAAAAKCGAQAAAAAAAAAAAAAAAAAMAAAAAQAAAAAAAAAAAAAAAAAAAB8AAABUAAAAAAAABQAAAAEAAAAAAAAAAAAAAAAAAAAAAAAAAAAAAAAAAAAAAAAAAAAAAAJ/f38AAAAAA8zMzADAwP8Af39/AAAAAAAAAAAAAAAAAAAAAAAAAAAAIQAAABgAAAAUAAAAwAMAANgJAABARwAAsCUAABAAAAAmAAAACAAAAAAAAAAAAAAAMAAAABQAAAAAAAAAAAD//wAAAQAAAP//AAABAA=="/>
               </a:ext>
             </a:extLst>
           </p:cNvSpPr>
@@ -903,7 +903,7 @@
             <a:spLocks noGrp="1" noChangeArrowheads="1"/>
             <a:extLst>
               <a:ext uri="smNativeData">
-                <pr:smNativeData xmlns:pr="smNativeData" xmlns="smNativeData" val="SMDATA_16_PryGZxMAAAAlAAAAZAAAAA8BAAAAkAAAAEgAAACQAAAASAAAAAAAAAABAAAAAAAAAAEAAABQAAAAAAAAAAAA4D8AAAAAAADgPwAAAAAAAOA/AAAAAAAA4D8AAAAAAADgPwAAAAAAAOA/AAAAAAAA4D8AAAAAAADgPwAAAAAAAOA/AAAAAAAA4D8CAAAAjAAAAAAAAAAAAAAAu+DjDP///wgAAAAAAAAAAAAAAAAAAAAAAAAAAAAAAAAAAAAAZAAAAAEAAABAAAAAAAAAAAAAAAAAAAAAAAAAAAAAAAAAAAAAAAAAAAAAAAAAAAAAAAAAAAAAAAAAAAAAAAAAAAAAAAAAAAAAAAAAAAAAAAAAAAAAAAAAAAAAAAAAAAAAFAAAADwAAAAAAAAAAAAAAAAAAAkUAAAAAQAAABQAAAAUAAAAFAAAAAEAAAAAAAAAZAAAAGQAAAAAAAAAZAAAAGQAAAAVAAAAYAAAAAAAAAAAAAAADwAAACADAAAAAAAAAAAAAAEAAACgMgAAVgcAAKr4//8BAAAAf39/AAEAAABkAAAAAAAAABQAAABAHwAAAAAAACYAAAAAAAAAwOD//wAAAAAmAAAAZAAAABYAAABMAAAAAAAAAAAAAAAEAAAAAAAAAAEAAACAgIAKAAAAACgAAAAoAAAAZAAAAGQAAAAAAAAAzMzMAAAAAABQAAAAUAAAAGQAAABkAAAAAAAAABcAAAAUAAAAAAAAAAAAAAD/fwAA/38AAAAAAAAJAAAABAAAANw7IAEeAAAAaAAAAAAAAAAAAAAAAAAAAAAAAAAAAAAAECcAABAnAAAAAAAAAAAAAAAAAAAAAAAAAAAAAAAAAAAAAAAAAAAAABQAAAAAAAAAwMD/AAAAAABkAAAAMgAAAAAAAABkAAAAAAAAAH9/fwAKAAAAIgAAABgAAAAAAAAAAAAAAAAAAAAAAAAAAAAAAAAAAAAkAAAAJAAAAAAAAAAHAAAAAAAAAAAAAAAAAAAAAAAAAAAAAAAAAAAAf39/ACUAAABYAAAAAAAAAAAAAAAAAAAAAAAAAAAAAAAAAAAAAAAAAAAAAAAAAAAAAAAAAAAAAAA/AAAAAAAAAKCGAQAAAAAAAAAAAAAAAAAMAAAAAQAAAAAAAAAAAAAAAAAAAB8AAABUAAAAAAAABQAAAAEAAAAAAAAAAAAAAAAAAAAAAAAAAAAAAAAAAAAAAAAAAAAAAAJ/f38AAAAAA8zMzADAwP8Af39/AAAAAAAAAAAAAAAAAAAAAAAAAAAAIQAAABgAAAAUAAAAwAMAABsnAAA/FQAAWSkAABAAAAAmAAAACAAAAAAAAAAAAAAAMAAAABQAAAAAAAAAAAD//wAAAQAAAP//AAABAA=="/>
+                <pr:smNativeData xmlns:pr="smNativeData" xmlns="smNativeData" val="SMDATA_16_a8OGZxMAAAAlAAAAZAAAAA8BAAAAkAAAAEgAAACQAAAASAAAAAAAAAABAAAAAAAAAAEAAABQAAAAAAAAAAAA4D8AAAAAAADgPwAAAAAAAOA/AAAAAAAA4D8AAAAAAADgPwAAAAAAAOA/AAAAAAAA4D8AAAAAAADgPwAAAAAAAOA/AAAAAAAA4D8CAAAAjAAAAAAAAAAAAAAAu+DjDP///wgAAAAAAAAAAAAAAAAAAAAAAAAAAAAAAAAAAAAAZAAAAAEAAABAAAAAAAAAAAAAAAAAAAAAAAAAAAAAAAAAAAAAAAAAAAAAAAAAAAAAAAAAAAAAAAAAAAAAAAAAAAAAAAAAAAAAAAAAAAAAAAAAAAAAAAAAAAAAAAAAAAAAFAAAADwAAAAAAAAAAAAAAAAAAAkUAAAAAQAAABQAAAAUAAAAFAAAAAEAAAAAAAAAZAAAAGQAAAAAAAAAZAAAAGQAAAAVAAAAYAAAAAAAAAAAAAAADwAAACADAAAAAAAAAAAAAAEAAACgMgAAVgcAAKr4//8BAAAAf39/AAEAAABkAAAAAAAAABQAAABAHwAAAAAAACYAAAAAAAAAwOD//wAAAAAmAAAAZAAAABYAAABMAAAAAAAAAAAAAAAEAAAAAAAAAAEAAACAgIAKAAAAACgAAAAoAAAAZAAAAGQAAAAAAAAAzMzMAAAAAABQAAAAUAAAAGQAAABkAAAAAAAAABcAAAAUAAAAAAAAAAAAAAD/fwAA/38AAAAAAAAJAAAABAAAANw7IAEeAAAAaAAAAAAAAAAAAAAAAAAAAAAAAAAAAAAAECcAABAnAAAAAAAAAAAAAAAAAAAAAAAAAAAAAAAAAAAAAAAAAAAAABQAAAAAAAAAwMD/AAAAAABkAAAAMgAAAAAAAABkAAAAAAAAAH9/fwAKAAAAIgAAABgAAAAAAAAAAAAAAAAAAAAAAAAAAAAAAAAAAAAkAAAAJAAAAAAAAAAHAAAAAAAAAAAAAAAAAAAAAAAAAAAAAAAAAAAAf39/ACUAAABYAAAAAAAAAAAAAAAAAAAAAAAAAAAAAAAAAAAAAAAAAAAAAAAAAAAAAAAAAAAAAAA/AAAAAAAAAKCGAQAAAAAAAAAAAAAAAAAMAAAAAQAAAAAAAAAAAAAAAAAAAB8AAABUAAAAAAAABQAAAAEAAAAAAAAAAAAAAAAAAAAAAAAAAAAAAAAAAAAAAAAAAAAAAAJ/f38AAAAAA8zMzADAwP8Af39/AAAAAAAAAAAAAAAAAAAAAAAAAAAAIQAAABgAAAAUAAAAwAMAABsnAAA/FQAAWSkAABAAAAAmAAAACAAAAAAAAAAAAAAAMAAAABQAAAAAAAAAAAD//wAAAQAAAP//AAABAA=="/>
               </a:ext>
             </a:extLst>
           </p:cNvSpPr>
@@ -917,7 +917,7 @@
           <a:lstStyle/>
           <a:p>
             <a:pPr/>
-            <a:fld id="{3D962795-DBD0-C3D1-9E2E-2D8469606878}" type="datetime1">
+            <a:fld id="{3C72D8CA-84D1-272E-9FCA-727B96846927}" type="datetime1">
               <a:t/>
             </a:fld>
           </a:p>
@@ -930,7 +930,7 @@
             <a:spLocks noGrp="1" noChangeArrowheads="1"/>
             <a:extLst>
               <a:ext uri="smNativeData">
-                <pr:smNativeData xmlns:pr="smNativeData" xmlns="smNativeData" val="SMDATA_16_PryGZxMAAAAlAAAAZAAAAA8BAAAAkAAAAEgAAACQAAAASAAAAAAAAAABAAAAAAAAAAEAAABQAAAAAAAAAAAA4D8AAAAAAADgPwAAAAAAAOA/AAAAAAAA4D8AAAAAAADgPwAAAAAAAOA/AAAAAAAA4D8AAAAAAADgPwAAAAAAAOA/AAAAAAAA4D8CAAAAjAAAAAAAAAAAAAAAu+DjDP///wgAAAAAAAAAAAAAAAAAAAAAAAAAAAAAAAAAAAAAZAAAAAEAAABAAAAAAAAAAAAAAAAAAAAAAAAAAAAAAAAAAAAAAAAAAAAAAAAAAAAAAAAAAAAAAAAAAAAAAAAAAAAAAAAAAAAAAAAAAAAAAAAAAAAAAAAAAAAAAAAAAAAAFAAAADwAAAAAAAAAAAAAAAAAAAkUAAAAAQAAABQAAAAUAAAAFAAAAAEAAAAAAAAAZAAAAGQAAAAAAAAAZAAAAGQAAAAVAAAAYAAAAAAAAAAAAAAADwAAACADAAAAAAAAAAAAAAEAAACgMgAAVgcAAKr4//8BAAAAf39/AAEAAABkAAAAAAAAABQAAABAHwAAAAAAACYAAAAAAAAAwOD//wAAAAAmAAAAZAAAABYAAABMAAAAAAAAAAAAAAAEAAAAAAAAAAEAAACAgIAKAAAAACgAAAAoAAAAZAAAAGQAAAAAAAAAzMzMAAAAAABQAAAAUAAAAGQAAABkAAAAAAAAABcAAAAUAAAAAAAAAAAAAAD/fwAA/38AAAAAAAAJAAAABAAAANw7IAEeAAAAaAAAAAAAAAAAAAAAAAAAAAAAAAAAAAAAECcAABAnAAAAAAAAAAAAAAAAAAAAAAAAAAAAAAAAAAAAAAAAAAAAABQAAAAAAAAAwMD/AAAAAABkAAAAMgAAAAAAAABkAAAAAAAAAH9/fwAKAAAAIgAAABgAAAAAAAAAAAAAAAAAAAAAAAAAAAAAAAAAAAAkAAAAJAAAAAAAAAAHAAAAAAAAAAAAAAAAAAAAAAAAAAAAAAAAAAAAf39/ACUAAABYAAAAAAAAAAAAAAAAAAAAAAAAAAAAAAAAAAAAAAAAAAAAAAAAAAAAAAAAAAAAAAA/AAAAAAAAAKCGAQAAAAAAAAAAAAAAAAAMAAAAAQAAAAAAAAAAAAAAAAAAAB8AAABUAAAAAAAABQAAAAEAAAAAAAAAAAAAAAAAAAAAAAAAAAAAAAAAAAAAAAAAAAAAAAJ/f38AAAAAA8zMzADAwP8Af39/AAAAAAAAAAAAAAAAAAAAAAAAAAAAIQAAABgAAAAUAAAAoRkAABsnAABfMQAAWSkAABAAAAAmAAAACAAAAAAAAAAAAAAAMAAAABQAAAAAAAAAAAD//wAAAQAAAP//AAABAA=="/>
+                <pr:smNativeData xmlns:pr="smNativeData" xmlns="smNativeData" val="SMDATA_16_a8OGZxMAAAAlAAAAZAAAAA8BAAAAkAAAAEgAAACQAAAASAAAAAAAAAABAAAAAAAAAAEAAABQAAAAAAAAAAAA4D8AAAAAAADgPwAAAAAAAOA/AAAAAAAA4D8AAAAAAADgPwAAAAAAAOA/AAAAAAAA4D8AAAAAAADgPwAAAAAAAOA/AAAAAAAA4D8CAAAAjAAAAAAAAAAAAAAAu+DjDP///wgAAAAAAAAAAAAAAAAAAAAAAAAAAAAAAAAAAAAAZAAAAAEAAABAAAAAAAAAAAAAAAAAAAAAAAAAAAAAAAAAAAAAAAAAAAAAAAAAAAAAAAAAAAAAAAAAAAAAAAAAAAAAAAAAAAAAAAAAAAAAAAAAAAAAAAAAAAAAAAAAAAAAFAAAADwAAAAAAAAAAAAAAAAAAAkUAAAAAQAAABQAAAAUAAAAFAAAAAEAAAAAAAAAZAAAAGQAAAAAAAAAZAAAAGQAAAAVAAAAYAAAAAAAAAAAAAAADwAAACADAAAAAAAAAAAAAAEAAACgMgAAVgcAAKr4//8BAAAAf39/AAEAAABkAAAAAAAAABQAAABAHwAAAAAAACYAAAAAAAAAwOD//wAAAAAmAAAAZAAAABYAAABMAAAAAAAAAAAAAAAEAAAAAAAAAAEAAACAgIAKAAAAACgAAAAoAAAAZAAAAGQAAAAAAAAAzMzMAAAAAABQAAAAUAAAAGQAAABkAAAAAAAAABcAAAAUAAAAAAAAAAAAAAD/fwAA/38AAAAAAAAJAAAABAAAANw7IAEeAAAAaAAAAAAAAAAAAAAAAAAAAAAAAAAAAAAAECcAABAnAAAAAAAAAAAAAAAAAAAAAAAAAAAAAAAAAAAAAAAAAAAAABQAAAAAAAAAwMD/AAAAAABkAAAAMgAAAAAAAABkAAAAAAAAAH9/fwAKAAAAIgAAABgAAAAAAAAAAAAAAAAAAAAAAAAAAAAAAAAAAAAkAAAAJAAAAAAAAAAHAAAAAAAAAAAAAAAAAAAAAAAAAAAAAAAAAAAAf39/ACUAAABYAAAAAAAAAAAAAAAAAAAAAAAAAAAAAAAAAAAAAAAAAAAAAAAAAAAAAAAAAAAAAAA/AAAAAAAAAKCGAQAAAAAAAAAAAAAAAAAMAAAAAQAAAAAAAAAAAAAAAAAAAB8AAABUAAAAAAAABQAAAAEAAAAAAAAAAAAAAAAAAAAAAAAAAAAAAAAAAAAAAAAAAAAAAAJ/f38AAAAAA8zMzADAwP8Af39/AAAAAAAAAAAAAAAAAAAAAAAAAAAAIQAAABgAAAAUAAAAoRkAABsnAABfMQAAWSkAABAAAAAmAAAACAAAAAAAAAAAAAAAMAAAABQAAAAAAAAAAAD//wAAAQAAAP//AAABAA=="/>
               </a:ext>
             </a:extLst>
           </p:cNvSpPr>
@@ -954,7 +954,7 @@
             <a:spLocks noGrp="1" noChangeArrowheads="1"/>
             <a:extLst>
               <a:ext uri="smNativeData">
-                <pr:smNativeData xmlns:pr="smNativeData" xmlns="smNativeData" val="SMDATA_16_PryGZxMAAAAlAAAAZAAAAA8BAAAAkAAAAEgAAACQAAAASAAAAAAAAAABAAAAAAAAAAEAAABQAAAAAAAAAAAA4D8AAAAAAADgPwAAAAAAAOA/AAAAAAAA4D8AAAAAAADgPwAAAAAAAOA/AAAAAAAA4D8AAAAAAADgPwAAAAAAAOA/AAAAAAAA4D8CAAAAjAAAAAAAAAAAAAAAu+DjDP///wgAAAAAAAAAAAAAAAAAAAAAAAAAAAAAAAAAAAAAZAAAAAEAAABAAAAAAAAAAAAAAAAAAAAAAAAAAAAAAAAAAAAAAAAAAAAAAAAAAAAAAAAAAAAAAAAAAAAAAAAAAAAAAAAAAAAAAAAAAAAAAAAAAAAAAAAAAAAAAAAAAAAAFAAAADwAAAAAAAAAAAAAAAAAAAkUAAAAAQAAABQAAAAUAAAAFAAAAAEAAAAAAAAAZAAAAGQAAAAAAAAAZAAAAGQAAAAVAAAAYAAAAAAAAAAAAAAADwAAACADAAAAAAAAAAAAAAEAAACgMgAAVgcAAKr4//8BAAAAf39/AAEAAABkAAAAAAAAABQAAABAHwAAAAAAACYAAAAAAAAAwOD//wAAAAAmAAAAZAAAABYAAABMAAAAAAAAAAAAAAAEAAAAAAAAAAEAAACAgIAKAAAAACgAAAAoAAAAZAAAAGQAAAAAAAAAzMzMAAAAAABQAAAAUAAAAGQAAABkAAAAAAAAABcAAAAUAAAAAAAAAAAAAAD/fwAA/38AAAAAAAAJAAAABAAAAAAAAAAeAAAAaAAAAAAAAAAAAAAAAAAAAAAAAAAAAAAAECcAABAnAAAAAAAAAAAAAAAAAAAAAAAAAAAAAAAAAAAAAAAAAAAAABQAAAAAAAAAwMD/AAAAAABkAAAAMgAAAAAAAABkAAAAAAAAAH9/fwAKAAAAIgAAABgAAAAAAAAAAAAAAAAAAAAAAAAAAAAAAAAAAAAkAAAAJAAAAAAAAAAHAAAAAAAAAAAAAAAAAAAAAAAAAAAAAAAAAAAAf39/ACUAAABYAAAAAAAAAAAAAAAAAAAAAAAAAAAAAAAAAAAAAAAAAAAAAAAAAAAAAAAAAAAAAAA/AAAAAAAAAKCGAQAAAAAAAAAAAAAAAAAMAAAAAQAAAAAAAAAAAAAAAAAAAB8AAABUAAAAAAAABQAAAAEAAAAAAAAAAAAAAAAAAAAAAAAAAAAAAAAAAAAAAAAAAAAAAAJ/f38AAAAAA8zMzADAwP8Af39/AAAAAAAAAAAAAAAAAAAAAAAAAAAAIQAAABgAAAAUAAAAwTUAABsnAABARwAAWSkAABAAAAAmAAAACAAAAAAAAAAAAAAAMAAAABQAAAAAAAAAAAD//wAAAQAAAP//AAABAA=="/>
+                <pr:smNativeData xmlns:pr="smNativeData" xmlns="smNativeData" val="SMDATA_16_a8OGZxMAAAAlAAAAZAAAAA8BAAAAkAAAAEgAAACQAAAASAAAAAAAAAABAAAAAAAAAAEAAABQAAAAAAAAAAAA4D8AAAAAAADgPwAAAAAAAOA/AAAAAAAA4D8AAAAAAADgPwAAAAAAAOA/AAAAAAAA4D8AAAAAAADgPwAAAAAAAOA/AAAAAAAA4D8CAAAAjAAAAAAAAAAAAAAAu+DjDP///wgAAAAAAAAAAAAAAAAAAAAAAAAAAAAAAAAAAAAAZAAAAAEAAABAAAAAAAAAAAAAAAAAAAAAAAAAAAAAAAAAAAAAAAAAAAAAAAAAAAAAAAAAAAAAAAAAAAAAAAAAAAAAAAAAAAAAAAAAAAAAAAAAAAAAAAAAAAAAAAAAAAAAFAAAADwAAAAAAAAAAAAAAAAAAAkUAAAAAQAAABQAAAAUAAAAFAAAAAEAAAAAAAAAZAAAAGQAAAAAAAAAZAAAAGQAAAAVAAAAYAAAAAAAAAAAAAAADwAAACADAAAAAAAAAAAAAAEAAACgMgAAVgcAAKr4//8BAAAAf39/AAEAAABkAAAAAAAAABQAAABAHwAAAAAAACYAAAAAAAAAwOD//wAAAAAmAAAAZAAAABYAAABMAAAAAAAAAAAAAAAEAAAAAAAAAAEAAACAgIAKAAAAACgAAAAoAAAAZAAAAGQAAAAAAAAAzMzMAAAAAABQAAAAUAAAAGQAAABkAAAAAAAAABcAAAAUAAAAAAAAAAAAAAD/fwAA/38AAAAAAAAJAAAABAAAAAAAAAAeAAAAaAAAAAAAAAAAAAAAAAAAAAAAAAAAAAAAECcAABAnAAAAAAAAAAAAAAAAAAAAAAAAAAAAAAAAAAAAAAAAAAAAABQAAAAAAAAAwMD/AAAAAABkAAAAMgAAAAAAAABkAAAAAAAAAH9/fwAKAAAAIgAAABgAAAAAAAAAAAAAAAAAAAAAAAAAAAAAAAAAAAAkAAAAJAAAAAAAAAAHAAAAAAAAAAAAAAAAAAAAAAAAAAAAAAAAAAAAf39/ACUAAABYAAAAAAAAAAAAAAAAAAAAAAAAAAAAAAAAAAAAAAAAAAAAAAAAAAAAAAAAAAAAAAA/AAAAAAAAAKCGAQAAAAAAAAAAAAAAAAAMAAAAAQAAAAAAAAAAAAAAAAAAAB8AAABUAAAAAAAABQAAAAEAAAAAAAAAAAAAAAAAAAAAAAAAAAAAAAAAAAAAAAAAAAAAAAJ/f38AAAAAA8zMzADAwP8Af39/AAAAAAAAAAAAAAAAAAAAAAAAAAAAIQAAABgAAAAUAAAAwTUAABsnAABARwAAWSkAABAAAAAmAAAACAAAAAAAAAAAAAAAMAAAABQAAAAAAAAAAAD//wAAAQAAAP//AAABAA=="/>
               </a:ext>
             </a:extLst>
           </p:cNvSpPr>
@@ -968,7 +968,7 @@
           <a:lstStyle/>
           <a:p>
             <a:pPr/>
-            <a:fld id="{3D9635AC-E2D0-C3C3-9E2E-14967B606841}" type="slidenum">
+            <a:fld id="{3C729A30-7ED1-276C-9FCA-8839D48469DD}" type="slidenum">
               <a:t/>
             </a:fld>
           </a:p>
@@ -1007,7 +1007,7 @@
             <a:spLocks noGrp="1" noChangeArrowheads="1"/>
             <a:extLst>
               <a:ext uri="smNativeData">
-                <pr:smNativeData xmlns:pr="smNativeData" xmlns="smNativeData" val="SMDATA_16_PryGZxMAAAAlAAAAZAAAAA8BAAAAkAAAAEgAAACQAAAASAAAAAAAAAAAAAAAAAAAAAEAAABQAAAAAAAAAAAA4D8AAAAAAADgPwAAAAAAAOA/AAAAAAAA4D8AAAAAAADgPwAAAAAAAOA/AAAAAAAA4D8AAAAAAADgPwAAAAAAAOA/AAAAAAAA4D8CAAAAjAAAAAAAAAAAAAAAu+DjDP///wgAAAAAAAAAAAAAAAAAAAAAAAAAAAAAAAAAAAAAZAAAAAEAAABAAAAAAAAAAAAAAAAAAAAAAAAAAAAAAAAAAAAAAAAAAAAAAAAAAAAAAAAAAAAAAAAAAAAAAAAAAAAAAAAAAAAAAAAAAAAAAAAAAAAAAAAAAAAAAAAAAAAAFAAAADwAAAAAAAAAAAAAAAAAAAkUAAAAAQAAABQAAAAUAAAAFAAAAAEAAAAAAAAAZAAAAGQAAAAAAAAAZAAAAGQAAAAVAAAAYAAAAAAAAAAAAAAADwAAACADAAAAAAAAAAAAAAEAAACgMgAAVgcAAKr4//8BAAAAf39/AAEAAABkAAAAAAAAABQAAABAHwAAAAAAACYAAAAAAAAAwOD//wAAAAAmAAAAZAAAABYAAABMAAAAAAAAAAAAAAAEAAAAAAAAAAEAAACAgIAKAAAAACgAAAAoAAAAZAAAAGQAAAAAAAAAzMzMAAAAAABQAAAAUAAAAGQAAABkAAAAAAAAABcAAAAUAAAAAAAAAAAAAAD/fwAA/38AAAAAAAAJAAAABAAAANw7IAEeAAAAaAAAAAAAAAAAAAAAAAAAAAAAAAAAAAAAECcAABAnAAAAAAAAAAAAAAAAAAAAAAAAAAAAAAAAAAAAAAAAAAAAABQAAAAAAAAAwMD/AAAAAABkAAAAMgAAAAAAAABkAAAAAAAAAH9/fwAKAAAAIgAAABgAAAAAAAAAAAAAAAAAAAAAAAAAAAAAAAAAAAAkAAAAJAAAAAAAAAAHAAAAAAAAAAAAAAAAAAAAAAAAAAAAAAAAAAAAf39/ACUAAABYAAAAAAAAAAAAAAAAAAAAAAAAAAAAAAAAAAAAAAAAAAAAAAAAAAAAAAAAAAAAAAA/AAAAAAAAAKCGAQAAAAAAAAAAAAAAAAAMAAAAAQAAAAAAAAAAAAAAAAAAAB8AAABUAAAAAAAABQAAAAEAAAAAAAAAAAAAAAAAAAAAAAAAAAAAAAAAAAAAAAAAAAAAAAJ/f38AAAAAA8zMzADAwP8Af39/AAAAAAAAAAAAAAAAAAAAAAAAAAAAIQAAABgAAAAUAAAA7QUAABwbAACtRQAAfSMAABAAAAAmAAAACAAAAIGAAAAAAAAAMAAAABQAAAAAAAAAAAD//wAAAQAAAP//AAABAA=="/>
+                <pr:smNativeData xmlns:pr="smNativeData" xmlns="smNativeData" val="SMDATA_16_a8OGZxMAAAAlAAAAZAAAAA8BAAAAkAAAAEgAAACQAAAASAAAAAAAAAAAAAAAAAAAAAEAAABQAAAAAAAAAAAA4D8AAAAAAADgPwAAAAAAAOA/AAAAAAAA4D8AAAAAAADgPwAAAAAAAOA/AAAAAAAA4D8AAAAAAADgPwAAAAAAAOA/AAAAAAAA4D8CAAAAjAAAAAAAAAAAAAAAu+DjDP///wgAAAAAAAAAAAAAAAAAAAAAAAAAAAAAAAAAAAAAZAAAAAEAAABAAAAAAAAAAAAAAAAAAAAAAAAAAAAAAAAAAAAAAAAAAAAAAAAAAAAAAAAAAAAAAAAAAAAAAAAAAAAAAAAAAAAAAAAAAAAAAAAAAAAAAAAAAAAAAAAAAAAAFAAAADwAAAAAAAAAAAAAAAAAAAkUAAAAAQAAABQAAAAUAAAAFAAAAAEAAAAAAAAAZAAAAGQAAAAAAAAAZAAAAGQAAAAVAAAAYAAAAAAAAAAAAAAADwAAACADAAAAAAAAAAAAAAEAAACgMgAAVgcAAKr4//8BAAAAf39/AAEAAABkAAAAAAAAABQAAABAHwAAAAAAACYAAAAAAAAAwOD//wAAAAAmAAAAZAAAABYAAABMAAAAAAAAAAAAAAAEAAAAAAAAAAEAAACAgIAKAAAAACgAAAAoAAAAZAAAAGQAAAAAAAAAzMzMAAAAAABQAAAAUAAAAGQAAABkAAAAAAAAABcAAAAUAAAAAAAAAAAAAAD/fwAA/38AAAAAAAAJAAAABAAAANw7IAEeAAAAaAAAAAAAAAAAAAAAAAAAAAAAAAAAAAAAECcAABAnAAAAAAAAAAAAAAAAAAAAAAAAAAAAAAAAAAAAAAAAAAAAABQAAAAAAAAAwMD/AAAAAABkAAAAMgAAAAAAAABkAAAAAAAAAH9/fwAKAAAAIgAAABgAAAAAAAAAAAAAAAAAAAAAAAAAAAAAAAAAAAAkAAAAJAAAAAAAAAAHAAAAAAAAAAAAAAAAAAAAAAAAAAAAAAAAAAAAf39/ACUAAABYAAAAAAAAAAAAAAAAAAAAAAAAAAAAAAAAAAAAAAAAAAAAAAAAAAAAAAAAAAAAAAA/AAAAAAAAAKCGAQAAAAAAAAAAAAAAAAAMAAAAAQAAAAAAAAAAAAAAAAAAAB8AAABUAAAAAAAABQAAAAEAAAAAAAAAAAAAAAAAAAAAAAAAAAAAAAAAAAAAAAAAAAAAAAJ/f38AAAAAA8zMzADAwP8Af39/AAAAAAAAAAAAAAAAAAAAAAAAAAAAIQAAABgAAAAUAAAA7QUAABwbAACtRQAAfSMAABAAAAAmAAAACAAAAIGAAAAAAAAAMAAAABQAAAAAAAAAAAD//wAAAQAAAP//AAABAA=="/>
               </a:ext>
             </a:extLst>
           </p:cNvSpPr>
@@ -1047,7 +1047,7 @@
             <a:spLocks noGrp="1" noChangeArrowheads="1"/>
             <a:extLst>
               <a:ext uri="smNativeData">
-                <pr:smNativeData xmlns:pr="smNativeData" xmlns="smNativeData" val="SMDATA_16_PryGZxMAAAAlAAAAZAAAAA8BAAAAkAAAAEgAAACQAAAASAAAAAAAAAACAAAAAAAAAAEAAABQAAAAAAAAAAAA4D8AAAAAAADgPwAAAAAAAOA/AAAAAAAA4D8AAAAAAADgPwAAAAAAAOA/AAAAAAAA4D8AAAAAAADgPwAAAAAAAOA/AAAAAAAA4D8CAAAAjAAAAAAAAAAAAAAAu+DjDP///wgAAAAAAAAAAAAAAAAAAAAAAAAAAAAAAAAAAAAAZAAAAAEAAABAAAAAAAAAAAAAAAAAAAAAAAAAAAAAAAAAAAAAAAAAAAAAAAAAAAAAAAAAAAAAAAAAAAAAAAAAAAAAAAAAAAAAAAAAAAAAAAAAAAAAAAAAAAAAAAAAAAAAFAAAADwAAAAAAAAAAAAAAAAAAAkUAAAAAQAAABQAAAAUAAAAFAAAAAEAAAAAAAAAZAAAAGQAAAAAAAAAZAAAAGQAAAAVAAAAYAAAAAAAAAAAAAAADwAAACADAAAAAAAAAAAAAAEAAACgMgAAVgcAAKr4//8BAAAAf39/AAEAAABkAAAAAAAAABQAAABAHwAAAAAAACYAAAAAAAAAwOD//wAAAAAmAAAAZAAAABYAAABMAAAAAAAAAAAAAAAEAAAAAAAAAAEAAACAgIAKAAAAACgAAAAoAAAAZAAAAGQAAAAAAAAAzMzMAAAAAABQAAAAUAAAAGQAAABkAAAAAAAAABcAAAAUAAAAAAAAAAAAAAD/fwAA/38AAAAAAAAJAAAABAAAANw7IAEeAAAAaAAAAAAAAAAAAAAAAAAAAAAAAAAAAAAAECcAABAnAAAAAAAAAAAAAAAAAAAAAAAAAAAAAAAAAAAAAAAAAAAAABQAAAAAAAAAwMD/AAAAAABkAAAAMgAAAAAAAABkAAAAAAAAAH9/fwAKAAAAIgAAABgAAAAAAAAAAAAAAAAAAAAAAAAAAAAAAAAAAAAkAAAAJAAAAAAAAAAHAAAAAAAAAAAAAAAAAAAAAAAAAAAAAAAAAAAAf39/ACUAAABYAAAAAAAAAAAAAAAAAAAAAAAAAAAAAAAAAAAAAAAAAAAAAAAAAAAAAAAAAAAAAAA/AAAAAAAAAKCGAQAAAAAAAAAAAAAAAAAMAAAAAQAAAAAAAAAAAAAAAAAAAB8AAABUAAAAAAAABQAAAAEAAAAAAAAAAAAAAAAAAAAAAAAAAAAAAAAAAAAAAAAAAAAAAAJ/f38AAAAAA8zMzADAwP8Af39/AAAAAAAAAAAAAAAAAAAAAAAAAAAAIQAAABgAAAAUAAAA7QUAAOERAACtRQAAHBsAABAAAAAmAAAACAAAAIGAAAAAAAAAMAAAABQAAAAAAAAAAAD//wAAAQAAAP//AAABAA=="/>
+                <pr:smNativeData xmlns:pr="smNativeData" xmlns="smNativeData" val="SMDATA_16_a8OGZxMAAAAlAAAAZAAAAA8BAAAAkAAAAEgAAACQAAAASAAAAAAAAAACAAAAAAAAAAEAAABQAAAAAAAAAAAA4D8AAAAAAADgPwAAAAAAAOA/AAAAAAAA4D8AAAAAAADgPwAAAAAAAOA/AAAAAAAA4D8AAAAAAADgPwAAAAAAAOA/AAAAAAAA4D8CAAAAjAAAAAAAAAAAAAAAu+DjDP///wgAAAAAAAAAAAAAAAAAAAAAAAAAAAAAAAAAAAAAZAAAAAEAAABAAAAAAAAAAAAAAAAAAAAAAAAAAAAAAAAAAAAAAAAAAAAAAAAAAAAAAAAAAAAAAAAAAAAAAAAAAAAAAAAAAAAAAAAAAAAAAAAAAAAAAAAAAAAAAAAAAAAAFAAAADwAAAAAAAAAAAAAAAAAAAkUAAAAAQAAABQAAAAUAAAAFAAAAAEAAAAAAAAAZAAAAGQAAAAAAAAAZAAAAGQAAAAVAAAAYAAAAAAAAAAAAAAADwAAACADAAAAAAAAAAAAAAEAAACgMgAAVgcAAKr4//8BAAAAf39/AAEAAABkAAAAAAAAABQAAABAHwAAAAAAACYAAAAAAAAAwOD//wAAAAAmAAAAZAAAABYAAABMAAAAAAAAAAAAAAAEAAAAAAAAAAEAAACAgIAKAAAAACgAAAAoAAAAZAAAAGQAAAAAAAAAzMzMAAAAAABQAAAAUAAAAGQAAABkAAAAAAAAABcAAAAUAAAAAAAAAAAAAAD/fwAA/38AAAAAAAAJAAAABAAAANw7IAEeAAAAaAAAAAAAAAAAAAAAAAAAAAAAAAAAAAAAECcAABAnAAAAAAAAAAAAAAAAAAAAAAAAAAAAAAAAAAAAAAAAAAAAABQAAAAAAAAAwMD/AAAAAABkAAAAMgAAAAAAAABkAAAAAAAAAH9/fwAKAAAAIgAAABgAAAAAAAAAAAAAAAAAAAAAAAAAAAAAAAAAAAAkAAAAJAAAAAAAAAAHAAAAAAAAAAAAAAAAAAAAAAAAAAAAAAAAAAAAf39/ACUAAABYAAAAAAAAAAAAAAAAAAAAAAAAAAAAAAAAAAAAAAAAAAAAAAAAAAAAAAAAAAAAAAA/AAAAAAAAAKCGAQAAAAAAAAAAAAAAAAAMAAAAAQAAAAAAAAAAAAAAAAAAAB8AAABUAAAAAAAABQAAAAEAAAAAAAAAAAAAAAAAAAAAAAAAAAAAAAAAAAAAAAAAAAAAAAJ/f38AAAAAA8zMzADAwP8Af39/AAAAAAAAAAAAAAAAAAAAAAAAAAAAIQAAABgAAAAUAAAA7QUAAOERAACtRQAAHBsAABAAAAAmAAAACAAAAIGAAAAAAAAAMAAAABQAAAAAAAAAAAD//wAAAQAAAP//AAABAA=="/>
               </a:ext>
             </a:extLst>
           </p:cNvSpPr>
@@ -1120,7 +1120,7 @@
             <a:spLocks noGrp="1" noChangeArrowheads="1"/>
             <a:extLst>
               <a:ext uri="smNativeData">
-                <pr:smNativeData xmlns:pr="smNativeData" xmlns="smNativeData" val="SMDATA_16_PryGZxMAAAAlAAAAZAAAAA8BAAAAkAAAAEgAAACQAAAASAAAAAAAAAABAAAAAAAAAAEAAABQAAAAAAAAAAAA4D8AAAAAAADgPwAAAAAAAOA/AAAAAAAA4D8AAAAAAADgPwAAAAAAAOA/AAAAAAAA4D8AAAAAAADgPwAAAAAAAOA/AAAAAAAA4D8CAAAAjAAAAAAAAAAAAAAAu+DjDP///wgAAAAAAAAAAAAAAAAAAAAAAAAAAAAAAAAAAAAAZAAAAAEAAABAAAAAAAAAAAAAAAAAAAAAAAAAAAAAAAAAAAAAAAAAAAAAAAAAAAAAAAAAAAAAAAAAAAAAAAAAAAAAAAAAAAAAAAAAAAAAAAAAAAAAAAAAAAAAAAAAAAAAFAAAADwAAAAAAAAAAAAAAAAAAAkUAAAAAQAAABQAAAAUAAAAFAAAAAEAAAAAAAAAZAAAAGQAAAAAAAAAZAAAAGQAAAAVAAAAYAAAAAAAAAAAAAAADwAAACADAAAAAAAAAAAAAAEAAACgMgAAVgcAAKr4//8BAAAAf39/AAEAAABkAAAAAAAAABQAAABAHwAAAAAAACYAAAAAAAAAwOD//wAAAAAmAAAAZAAAABYAAABMAAAAAAAAAAAAAAAEAAAAAAAAAAEAAACAgIAKAAAAACgAAAAoAAAAZAAAAGQAAAAAAAAAzMzMAAAAAABQAAAAUAAAAGQAAABkAAAAAAAAABcAAAAUAAAAAAAAAAAAAAD/fwAA/38AAAAAAAAJAAAABAAAAAAAAAAeAAAAaAAAAAAAAAAAAAAAAAAAAAAAAAAAAAAAECcAABAnAAAAAAAAAAAAAAAAAAAAAAAAAAAAAAAAAAAAAAAAAAAAABQAAAAAAAAAwMD/AAAAAABkAAAAMgAAAAAAAABkAAAAAAAAAH9/fwAKAAAAIgAAABgAAAAAAAAAAAAAAAAAAAAAAAAAAAAAAAAAAAAkAAAAJAAAAAAAAAAHAAAAAAAAAAAAAAAAAAAAAAAAAAAAAAAAAAAAf39/ACUAAABYAAAAAAAAAAAAAAAAAAAAAAAAAAAAAAAAAAAAAAAAAAAAAAAAAAAAAAAAAAAAAAA/AAAAAAAAAKCGAQAAAAAAAAAAAAAAAAAMAAAAAQAAAAAAAAAAAAAAAAAAAB8AAABUAAAAAAAABQAAAAEAAAAAAAAAAAAAAAAAAAAAAAAAAAAAAAAAAAAAAAAAAAAAAAJ/f38AAAAAA8zMzADAwP8Af39/AAAAAAAAAAAAAAAAAAAAAAAAAAAAIQAAABgAAAAUAAAAwAMAABsnAAA/FQAAWSkAABAAAAAmAAAACAAAAAAAAAAAAAAAMAAAABQAAAAAAAAAAAD//wAAAQAAAP//AAABAA=="/>
+                <pr:smNativeData xmlns:pr="smNativeData" xmlns="smNativeData" val="SMDATA_16_a8OGZxMAAAAlAAAAZAAAAA8BAAAAkAAAAEgAAACQAAAASAAAAAAAAAABAAAAAAAAAAEAAABQAAAAAAAAAAAA4D8AAAAAAADgPwAAAAAAAOA/AAAAAAAA4D8AAAAAAADgPwAAAAAAAOA/AAAAAAAA4D8AAAAAAADgPwAAAAAAAOA/AAAAAAAA4D8CAAAAjAAAAAAAAAAAAAAAu+DjDP///wgAAAAAAAAAAAAAAAAAAAAAAAAAAAAAAAAAAAAAZAAAAAEAAABAAAAAAAAAAAAAAAAAAAAAAAAAAAAAAAAAAAAAAAAAAAAAAAAAAAAAAAAAAAAAAAAAAAAAAAAAAAAAAAAAAAAAAAAAAAAAAAAAAAAAAAAAAAAAAAAAAAAAFAAAADwAAAAAAAAAAAAAAAAAAAkUAAAAAQAAABQAAAAUAAAAFAAAAAEAAAAAAAAAZAAAAGQAAAAAAAAAZAAAAGQAAAAVAAAAYAAAAAAAAAAAAAAADwAAACADAAAAAAAAAAAAAAEAAACgMgAAVgcAAKr4//8BAAAAf39/AAEAAABkAAAAAAAAABQAAABAHwAAAAAAACYAAAAAAAAAwOD//wAAAAAmAAAAZAAAABYAAABMAAAAAAAAAAAAAAAEAAAAAAAAAAEAAACAgIAKAAAAACgAAAAoAAAAZAAAAGQAAAAAAAAAzMzMAAAAAABQAAAAUAAAAGQAAABkAAAAAAAAABcAAAAUAAAAAAAAAAAAAAD/fwAA/38AAAAAAAAJAAAABAAAAAAAAAAeAAAAaAAAAAAAAAAAAAAAAAAAAAAAAAAAAAAAECcAABAnAAAAAAAAAAAAAAAAAAAAAAAAAAAAAAAAAAAAAAAAAAAAABQAAAAAAAAAwMD/AAAAAABkAAAAMgAAAAAAAABkAAAAAAAAAH9/fwAKAAAAIgAAABgAAAAAAAAAAAAAAAAAAAAAAAAAAAAAAAAAAAAkAAAAJAAAAAAAAAAHAAAAAAAAAAAAAAAAAAAAAAAAAAAAAAAAAAAAf39/ACUAAABYAAAAAAAAAAAAAAAAAAAAAAAAAAAAAAAAAAAAAAAAAAAAAAAAAAAAAAAAAAAAAAA/AAAAAAAAAKCGAQAAAAAAAAAAAAAAAAAMAAAAAQAAAAAAAAAAAAAAAAAAAB8AAABUAAAAAAAABQAAAAEAAAAAAAAAAAAAAAAAAAAAAAAAAAAAAAAAAAAAAAAAAAAAAAJ/f38AAAAAA8zMzADAwP8Af39/AAAAAAAAAAAAAAAAAAAAAAAAAAAAIQAAABgAAAAUAAAAwAMAABsnAAA/FQAAWSkAABAAAAAmAAAACAAAAAAAAAAAAAAAMAAAABQAAAAAAAAAAAD//wAAAQAAAP//AAABAA=="/>
               </a:ext>
             </a:extLst>
           </p:cNvSpPr>
@@ -1134,7 +1134,7 @@
           <a:lstStyle/>
           <a:p>
             <a:pPr/>
-            <a:fld id="{3D966CF4-BAD0-C39A-9E2E-4CCF22606819}" type="datetime1">
+            <a:fld id="{3C72F44E-00D1-2702-9FCA-F657BA8469A3}" type="datetime1">
               <a:t/>
             </a:fld>
           </a:p>
@@ -1147,7 +1147,7 @@
             <a:spLocks noGrp="1" noChangeArrowheads="1"/>
             <a:extLst>
               <a:ext uri="smNativeData">
-                <pr:smNativeData xmlns:pr="smNativeData" xmlns="smNativeData" val="SMDATA_16_PryGZxMAAAAlAAAAZAAAAA8BAAAAkAAAAEgAAACQAAAASAAAAAAAAAABAAAAAAAAAAEAAABQAAAAAAAAAAAA4D8AAAAAAADgPwAAAAAAAOA/AAAAAAAA4D8AAAAAAADgPwAAAAAAAOA/AAAAAAAA4D8AAAAAAADgPwAAAAAAAOA/AAAAAAAA4D8CAAAAjAAAAAAAAAAAAAAAu+DjDP///wgAAAAAAAAAAAAAAAAAAAAAAAAAAAAAAAAAAAAAZAAAAAEAAABAAAAAAAAAAAAAAAAAAAAAAAAAAAAAAAAAAAAAAAAAAAAAAAAAAAAAAAAAAAAAAAAAAAAAAAAAAAAAAAAAAAAAAAAAAAAAAAAAAAAAAAAAAAAAAAAAAAAAFAAAADwAAAAAAAAAAAAAAAAAAAkUAAAAAQAAABQAAAAUAAAAFAAAAAEAAAAAAAAAZAAAAGQAAAAAAAAAZAAAAGQAAAAVAAAAYAAAAAAAAAAAAAAADwAAACADAAAAAAAAAAAAAAEAAACgMgAAVgcAAKr4//8BAAAAf39/AAEAAABkAAAAAAAAABQAAABAHwAAAAAAACYAAAAAAAAAwOD//wAAAAAmAAAAZAAAABYAAABMAAAAAAAAAAAAAAAEAAAAAAAAAAEAAACAgIAKAAAAACgAAAAoAAAAZAAAAGQAAAAAAAAAzMzMAAAAAABQAAAAUAAAAGQAAABkAAAAAAAAABcAAAAUAAAAAAAAAAAAAAD/fwAA/38AAAAAAAAJAAAABAAAANw7IAEeAAAAaAAAAAAAAAAAAAAAAAAAAAAAAAAAAAAAECcAABAnAAAAAAAAAAAAAAAAAAAAAAAAAAAAAAAAAAAAAAAAAAAAABQAAAAAAAAAwMD/AAAAAABkAAAAMgAAAAAAAABkAAAAAAAAAH9/fwAKAAAAIgAAABgAAAAAAAAAAAAAAAAAAAAAAAAAAAAAAAAAAAAkAAAAJAAAAAAAAAAHAAAAAAAAAAAAAAAAAAAAAAAAAAAAAAAAAAAAf39/ACUAAABYAAAAAAAAAAAAAAAAAAAAAAAAAAAAAAAAAAAAAAAAAAAAAAAAAAAAAAAAAAAAAAA/AAAAAAAAAKCGAQAAAAAAAAAAAAAAAAAMAAAAAQAAAAAAAAAAAAAAAAAAAB8AAABUAAAAAAAABQAAAAEAAAAAAAAAAAAAAAAAAAAAAAAAAAAAAAAAAAAAAAAAAAAAAAJ/f38AAAAAA8zMzADAwP8Af39/AAAAAAAAAAAAAAAAAAAAAAAAAAAAIQAAABgAAAAUAAAAoRkAABsnAABfMQAAWSkAABAAAAAmAAAACAAAAAAAAAAAAAAAMAAAABQAAAAAAAAAAAD//wAAAQAAAP//AAABAA=="/>
+                <pr:smNativeData xmlns:pr="smNativeData" xmlns="smNativeData" val="SMDATA_16_a8OGZxMAAAAlAAAAZAAAAA8BAAAAkAAAAEgAAACQAAAASAAAAAAAAAABAAAAAAAAAAEAAABQAAAAAAAAAAAA4D8AAAAAAADgPwAAAAAAAOA/AAAAAAAA4D8AAAAAAADgPwAAAAAAAOA/AAAAAAAA4D8AAAAAAADgPwAAAAAAAOA/AAAAAAAA4D8CAAAAjAAAAAAAAAAAAAAAu+DjDP///wgAAAAAAAAAAAAAAAAAAAAAAAAAAAAAAAAAAAAAZAAAAAEAAABAAAAAAAAAAAAAAAAAAAAAAAAAAAAAAAAAAAAAAAAAAAAAAAAAAAAAAAAAAAAAAAAAAAAAAAAAAAAAAAAAAAAAAAAAAAAAAAAAAAAAAAAAAAAAAAAAAAAAFAAAADwAAAAAAAAAAAAAAAAAAAkUAAAAAQAAABQAAAAUAAAAFAAAAAEAAAAAAAAAZAAAAGQAAAAAAAAAZAAAAGQAAAAVAAAAYAAAAAAAAAAAAAAADwAAACADAAAAAAAAAAAAAAEAAACgMgAAVgcAAKr4//8BAAAAf39/AAEAAABkAAAAAAAAABQAAABAHwAAAAAAACYAAAAAAAAAwOD//wAAAAAmAAAAZAAAABYAAABMAAAAAAAAAAAAAAAEAAAAAAAAAAEAAACAgIAKAAAAACgAAAAoAAAAZAAAAGQAAAAAAAAAzMzMAAAAAABQAAAAUAAAAGQAAABkAAAAAAAAABcAAAAUAAAAAAAAAAAAAAD/fwAA/38AAAAAAAAJAAAABAAAANw7IAEeAAAAaAAAAAAAAAAAAAAAAAAAAAAAAAAAAAAAECcAABAnAAAAAAAAAAAAAAAAAAAAAAAAAAAAAAAAAAAAAAAAAAAAABQAAAAAAAAAwMD/AAAAAABkAAAAMgAAAAAAAABkAAAAAAAAAH9/fwAKAAAAIgAAABgAAAAAAAAAAAAAAAAAAAAAAAAAAAAAAAAAAAAkAAAAJAAAAAAAAAAHAAAAAAAAAAAAAAAAAAAAAAAAAAAAAAAAAAAAf39/ACUAAABYAAAAAAAAAAAAAAAAAAAAAAAAAAAAAAAAAAAAAAAAAAAAAAAAAAAAAAAAAAAAAAA/AAAAAAAAAKCGAQAAAAAAAAAAAAAAAAAMAAAAAQAAAAAAAAAAAAAAAAAAAB8AAABUAAAAAAAABQAAAAEAAAAAAAAAAAAAAAAAAAAAAAAAAAAAAAAAAAAAAAAAAAAAAAJ/f38AAAAAA8zMzADAwP8Af39/AAAAAAAAAAAAAAAAAAAAAAAAAAAAIQAAABgAAAAUAAAAoRkAABsnAABfMQAAWSkAABAAAAAmAAAACAAAAAAAAAAAAAAAMAAAABQAAAAAAAAAAAD//wAAAQAAAP//AAABAA=="/>
               </a:ext>
             </a:extLst>
           </p:cNvSpPr>
@@ -1171,7 +1171,7 @@
             <a:spLocks noGrp="1" noChangeArrowheads="1"/>
             <a:extLst>
               <a:ext uri="smNativeData">
-                <pr:smNativeData xmlns:pr="smNativeData" xmlns="smNativeData" val="SMDATA_16_PryGZxMAAAAlAAAAZAAAAA8BAAAAkAAAAEgAAACQAAAASAAAAAAAAAABAAAAAAAAAAEAAABQAAAAAAAAAAAA4D8AAAAAAADgPwAAAAAAAOA/AAAAAAAA4D8AAAAAAADgPwAAAAAAAOA/AAAAAAAA4D8AAAAAAADgPwAAAAAAAOA/AAAAAAAA4D8CAAAAjAAAAAAAAAAAAAAAu+DjDP///wgAAAAAAAAAAAAAAAAAAAAAAAAAAAAAAAAAAAAAZAAAAAEAAABAAAAAAAAAAAAAAAAAAAAAAAAAAAAAAAAAAAAAAAAAAAAAAAAAAAAAAAAAAAAAAAAAAAAAAAAAAAAAAAAAAAAAAAAAAAAAAAAAAAAAAAAAAAAAAAAAAAAAFAAAADwAAAAAAAAAAAAAAAAAAAkUAAAAAQAAABQAAAAUAAAAFAAAAAEAAAAAAAAAZAAAAGQAAAAAAAAAZAAAAGQAAAAVAAAAYAAAAAAAAAAAAAAADwAAACADAAAAAAAAAAAAAAEAAACgMgAAVgcAAKr4//8BAAAAf39/AAEAAABkAAAAAAAAABQAAABAHwAAAAAAACYAAAAAAAAAwOD//wAAAAAmAAAAZAAAABYAAABMAAAAAAAAAAAAAAAEAAAAAAAAAAEAAACAgIAKAAAAACgAAAAoAAAAZAAAAGQAAAAAAAAAzMzMAAAAAABQAAAAUAAAAGQAAABkAAAAAAAAABcAAAAUAAAAAAAAAAAAAAD/fwAA/38AAAAAAAAJAAAABAAAANw7IAEeAAAAaAAAAAAAAAAAAAAAAAAAAAAAAAAAAAAAECcAABAnAAAAAAAAAAAAAAAAAAAAAAAAAAAAAAAAAAAAAAAAAAAAABQAAAAAAAAAwMD/AAAAAABkAAAAMgAAAAAAAABkAAAAAAAAAH9/fwAKAAAAIgAAABgAAAAAAAAAAAAAAAAAAAAAAAAAAAAAAAAAAAAkAAAAJAAAAAAAAAAHAAAAAAAAAAAAAAAAAAAAAAAAAAAAAAAAAAAAf39/ACUAAABYAAAAAAAAAAAAAAAAAAAAAAAAAAAAAAAAAAAAAAAAAAAAAAAAAAAAAAAAAAAAAAA/AAAAAAAAAKCGAQAAAAAAAAAAAAAAAAAMAAAAAQAAAAAAAAAAAAAAAAAAAB8AAABUAAAAAAAABQAAAAEAAAAAAAAAAAAAAAAAAAAAAAAAAAAAAAAAAAAAAAAAAAAAAAJ/f38AAAAAA8zMzADAwP8Af39/AAAAAAAAAAAAAAAAAAAAAAAAAAAAIQAAABgAAAAUAAAAwTUAABsnAABARwAAWSkAABAAAAAmAAAACAAAAAAAAAAAAAAAMAAAABQAAAAAAAAAAAD//wAAAQAAAP//AAABAA=="/>
+                <pr:smNativeData xmlns:pr="smNativeData" xmlns="smNativeData" val="SMDATA_16_a8OGZxMAAAAlAAAAZAAAAA8BAAAAkAAAAEgAAACQAAAASAAAAAAAAAABAAAAAAAAAAEAAABQAAAAAAAAAAAA4D8AAAAAAADgPwAAAAAAAOA/AAAAAAAA4D8AAAAAAADgPwAAAAAAAOA/AAAAAAAA4D8AAAAAAADgPwAAAAAAAOA/AAAAAAAA4D8CAAAAjAAAAAAAAAAAAAAAu+DjDP///wgAAAAAAAAAAAAAAAAAAAAAAAAAAAAAAAAAAAAAZAAAAAEAAABAAAAAAAAAAAAAAAAAAAAAAAAAAAAAAAAAAAAAAAAAAAAAAAAAAAAAAAAAAAAAAAAAAAAAAAAAAAAAAAAAAAAAAAAAAAAAAAAAAAAAAAAAAAAAAAAAAAAAFAAAADwAAAAAAAAAAAAAAAAAAAkUAAAAAQAAABQAAAAUAAAAFAAAAAEAAAAAAAAAZAAAAGQAAAAAAAAAZAAAAGQAAAAVAAAAYAAAAAAAAAAAAAAADwAAACADAAAAAAAAAAAAAAEAAACgMgAAVgcAAKr4//8BAAAAf39/AAEAAABkAAAAAAAAABQAAABAHwAAAAAAACYAAAAAAAAAwOD//wAAAAAmAAAAZAAAABYAAABMAAAAAAAAAAAAAAAEAAAAAAAAAAEAAACAgIAKAAAAACgAAAAoAAAAZAAAAGQAAAAAAAAAzMzMAAAAAABQAAAAUAAAAGQAAABkAAAAAAAAABcAAAAUAAAAAAAAAAAAAAD/fwAA/38AAAAAAAAJAAAABAAAANw7IAEeAAAAaAAAAAAAAAAAAAAAAAAAAAAAAAAAAAAAECcAABAnAAAAAAAAAAAAAAAAAAAAAAAAAAAAAAAAAAAAAAAAAAAAABQAAAAAAAAAwMD/AAAAAABkAAAAMgAAAAAAAABkAAAAAAAAAH9/fwAKAAAAIgAAABgAAAAAAAAAAAAAAAAAAAAAAAAAAAAAAAAAAAAkAAAAJAAAAAAAAAAHAAAAAAAAAAAAAAAAAAAAAAAAAAAAAAAAAAAAf39/ACUAAABYAAAAAAAAAAAAAAAAAAAAAAAAAAAAAAAAAAAAAAAAAAAAAAAAAAAAAAAAAAAAAAA/AAAAAAAAAKCGAQAAAAAAAAAAAAAAAAAMAAAAAQAAAAAAAAAAAAAAAAAAAB8AAABUAAAAAAAABQAAAAEAAAAAAAAAAAAAAAAAAAAAAAAAAAAAAAAAAAAAAAAAAAAAAAJ/f38AAAAAA8zMzADAwP8Af39/AAAAAAAAAAAAAAAAAAAAAAAAAAAAIQAAABgAAAAUAAAAwTUAABsnAABARwAAWSkAABAAAAAmAAAACAAAAAAAAAAAAAAAMAAAABQAAAAAAAAAAAD//wAAAQAAAP//AAABAA=="/>
               </a:ext>
             </a:extLst>
           </p:cNvSpPr>
@@ -1185,7 +1185,7 @@
           <a:lstStyle/>
           <a:p>
             <a:pPr/>
-            <a:fld id="{3D966107-49D0-C397-9E2E-BFC22F6068EA}" type="slidenum">
+            <a:fld id="{3C72A948-06D1-275F-9FCA-F00AE78469A5}" type="slidenum">
               <a:t/>
             </a:fld>
           </a:p>
@@ -1224,7 +1224,7 @@
             <a:spLocks noGrp="1" noChangeArrowheads="1"/>
             <a:extLst>
               <a:ext uri="smNativeData">
-                <pr:smNativeData xmlns:pr="smNativeData" xmlns="smNativeData" val="SMDATA_16_PryGZxMAAAAlAAAAZAAAAA8BAAAAkAAAAEgAAACQAAAASAAAAAAAAAABAAAAAAAAAAEAAABQAAAAAAAAAAAA4D8AAAAAAADgPwAAAAAAAOA/AAAAAAAA4D8AAAAAAADgPwAAAAAAAOA/AAAAAAAA4D8AAAAAAADgPwAAAAAAAOA/AAAAAAAA4D8CAAAAjAAAAAAAAAAAAAAAu+DjDP///wgAAAAAAAAAAAAAAAAAAAAAAAAAAAAAAAAAAAAAZAAAAAEAAABAAAAAAAAAAAAAAAAAAAAAAAAAAAAAAAAAAAAAAAAAAAAAAAAAAAAAAAAAAAAAAAAAAAAAAAAAAAAAAAAAAAAAAAAAAAAAAAAAAAAAAAAAAAAAAAAAAAAAFAAAADwAAAAAAAAAAAAAAAAAAAkUAAAAAQAAABQAAAAUAAAAFAAAAAEAAAAAAAAAZAAAAGQAAAAAAAAAZAAAAGQAAAAVAAAAYAAAAAAAAAAAAAAADwAAACADAAAAAAAAAAAAAAEAAACgMgAAVgcAAKr4//8BAAAAf39/AAEAAABkAAAAAAAAABQAAABAHwAAAAAAACYAAAAAAAAAwOD//wAAAAAmAAAAZAAAABYAAABMAAAAAAAAAAAAAAAEAAAAAAAAAAEAAACAgIAKAAAAACgAAAAoAAAAZAAAAGQAAAAAAAAAzMzMAAAAAABQAAAAUAAAAGQAAABkAAAAAAAAABcAAAAUAAAAAAAAAAAAAAD/fwAA/38AAAAAAAAJAAAABAAAANw7IAEeAAAAaAAAAAAAAAAAAAAAAAAAAAAAAAAAAAAAECcAABAnAAAAAAAAAAAAAAAAAAAAAAAAAAAAAAAAAAAAAAAAAAAAABQAAAAAAAAAwMD/AAAAAABkAAAAMgAAAAAAAABkAAAAAAAAAH9/fwAKAAAAIgAAABgAAAAAAAAAAAAAAAAAAAAAAAAAAAAAAAAAAAAkAAAAJAAAAAAAAAAHAAAAAAAAAAAAAAAAAAAAAAAAAAAAAAAAAAAAf39/ACUAAABYAAAAAAAAAAAAAAAAAAAAAAAAAAAAAAAAAAAAAAAAAAAAAAAAAAAAAAAAAAAAAAA/AAAAAAAAAKCGAQAAAAAAAAAAAAAAAAAMAAAAAQAAAAAAAAAAAAAAAAAAAB8AAABUAAAAAAAABQAAAAEAAAAAAAAAAAAAAAAAAAAAAAAAAAAAAAAAAAAAAAAAAAAAAAJ/f38AAAAAA8zMzADAwP8Af39/AAAAAAAAAAAAAAAAAAAAAAAAAAAAIQAAABgAAAAUAAAAwAMAALABAABARwAAuAgAABAAAAAmAAAACAAAAAAAAAAAAAAAMAAAABQAAAAAAAAAAAD//wAAAQAAAP//AAABAA=="/>
+                <pr:smNativeData xmlns:pr="smNativeData" xmlns="smNativeData" val="SMDATA_16_a8OGZxMAAAAlAAAAZAAAAA8BAAAAkAAAAEgAAACQAAAASAAAAAAAAAABAAAAAAAAAAEAAABQAAAAAAAAAAAA4D8AAAAAAADgPwAAAAAAAOA/AAAAAAAA4D8AAAAAAADgPwAAAAAAAOA/AAAAAAAA4D8AAAAAAADgPwAAAAAAAOA/AAAAAAAA4D8CAAAAjAAAAAAAAAAAAAAAu+DjDP///wgAAAAAAAAAAAAAAAAAAAAAAAAAAAAAAAAAAAAAZAAAAAEAAABAAAAAAAAAAAAAAAAAAAAAAAAAAAAAAAAAAAAAAAAAAAAAAAAAAAAAAAAAAAAAAAAAAAAAAAAAAAAAAAAAAAAAAAAAAAAAAAAAAAAAAAAAAAAAAAAAAAAAFAAAADwAAAAAAAAAAAAAAAAAAAkUAAAAAQAAABQAAAAUAAAAFAAAAAEAAAAAAAAAZAAAAGQAAAAAAAAAZAAAAGQAAAAVAAAAYAAAAAAAAAAAAAAADwAAACADAAAAAAAAAAAAAAEAAACgMgAAVgcAAKr4//8BAAAAf39/AAEAAABkAAAAAAAAABQAAABAHwAAAAAAACYAAAAAAAAAwOD//wAAAAAmAAAAZAAAABYAAABMAAAAAAAAAAAAAAAEAAAAAAAAAAEAAACAgIAKAAAAACgAAAAoAAAAZAAAAGQAAAAAAAAAzMzMAAAAAABQAAAAUAAAAGQAAABkAAAAAAAAABcAAAAUAAAAAAAAAAAAAAD/fwAA/38AAAAAAAAJAAAABAAAANw7IAEeAAAAaAAAAAAAAAAAAAAAAAAAAAAAAAAAAAAAECcAABAnAAAAAAAAAAAAAAAAAAAAAAAAAAAAAAAAAAAAAAAAAAAAABQAAAAAAAAAwMD/AAAAAABkAAAAMgAAAAAAAABkAAAAAAAAAH9/fwAKAAAAIgAAABgAAAAAAAAAAAAAAAAAAAAAAAAAAAAAAAAAAAAkAAAAJAAAAAAAAAAHAAAAAAAAAAAAAAAAAAAAAAAAAAAAAAAAAAAAf39/ACUAAABYAAAAAAAAAAAAAAAAAAAAAAAAAAAAAAAAAAAAAAAAAAAAAAAAAAAAAAAAAAAAAAA/AAAAAAAAAKCGAQAAAAAAAAAAAAAAAAAMAAAAAQAAAAAAAAAAAAAAAAAAAB8AAABUAAAAAAAABQAAAAEAAAAAAAAAAAAAAAAAAAAAAAAAAAAAAAAAAAAAAAAAAAAAAAJ/f38AAAAAA8zMzADAwP8Af39/AAAAAAAAAAAAAAAAAAAAAAAAAAAAIQAAABgAAAAUAAAAwAMAALABAABARwAAuAgAABAAAAAmAAAACAAAAAAAAAAAAAAAMAAAABQAAAAAAAAAAAD//wAAAQAAAP//AAABAA=="/>
               </a:ext>
             </a:extLst>
           </p:cNvSpPr>
@@ -1251,7 +1251,7 @@
             <a:spLocks noGrp="1" noChangeArrowheads="1"/>
             <a:extLst>
               <a:ext uri="smNativeData">
-                <pr:smNativeData xmlns:pr="smNativeData" xmlns="smNativeData" val="SMDATA_16_PryGZxMAAAAlAAAAZAAAAA8BAAAAkAAAAEgAAACQAAAASAAAAAAAAAAAAAAAAAAAAAEAAABQAAAAAAAAAAAA4D8AAAAAAADgPwAAAAAAAOA/AAAAAAAA4D8AAAAAAADgPwAAAAAAAOA/AAAAAAAA4D8AAAAAAADgPwAAAAAAAOA/AAAAAAAA4D8CAAAAjAAAAAAAAAAAAAAAu+DjDP///wgAAAAAAAAAAAAAAAAAAAAAAAAAAAAAAAAAAAAAZAAAAAEAAABAAAAAAAAAAAAAAAAAAAAAAAAAAAAAAAAAAAAAAAAAAAAAAAAAAAAAAAAAAAAAAAAAAAAAAAAAAAAAAAAAAAAAAAAAAAAAAAAAAAAAAAAAAAAAAAAAAAAAFAAAADwAAAAAAAAAAAAAAAAAAAkUAAAAAQAAABQAAAAUAAAAFAAAAAEAAAAAAAAAZAAAAGQAAAAAAAAAZAAAAGQAAAAVAAAAYAAAAAAAAAAAAAAADwAAACADAAAAAAAAAAAAAAEAAACgMgAAVgcAAKr4//8BAAAAf39/AAEAAABkAAAAAAAAABQAAABAHwAAAAAAACYAAAAAAAAAwOD//wAAAAAmAAAAZAAAABYAAABMAAAAAAAAAAAAAAAEAAAAAAAAAAEAAACAgIAKAAAAACgAAAAoAAAAZAAAAGQAAAAAAAAAzMzMAAAAAABQAAAAUAAAAGQAAABkAAAAAAAAABcAAAAUAAAAAAAAAAAAAAD/fwAA/38AAAAAAAAJAAAABAAAANw7IAEeAAAAaAAAAAAAAAAAAAAAAAAAAAAAAAAAAAAAECcAABAnAAAAAAAAAAAAAAAAAAAAAAAAAAAAAAAAAAAAAAAAAAAAABQAAAAAAAAAwMD/AAAAAABkAAAAMgAAAAAAAABkAAAAAAAAAH9/fwAKAAAAIgAAABgAAAAAAAAAAAAAAAAAAAAAAAAAAAAAAAAAAAAkAAAAJAAAAAAAAAAHAAAAAAAAAAAAAAAAAAAAAAAAAAAAAAAAAAAAf39/ACUAAABYAAAAAAAAAAAAAAAAAAAAAAAAAAAAAAAAAAAAAAAAAAAAAAAAAAAAAAAAAAAAAAA/AAAAAAAAAKCGAQAAAAAAAAAAAAAAAAAMAAAAAQAAAAAAAAAAAAAAAAAAAB8AAABUAAAAAAAABQAAAAEAAAAAAAAAAAAAAAAAAAAAAAAAAAAAAAAAAAAAAAAAAAAAAAJ/f38AAAAAA8zMzADAwP8Af39/AAAAAAAAAAAAAAAAAAAAAAAAAAAAIQAAABgAAAAUAAAAwAMAANgJAADhJAAAsCUAABAAAAAmAAAACAAAAAGAAAAAAAAAMAAAABQAAAAAAAAAAAD//wAAAQAAAP//AAABAA=="/>
+                <pr:smNativeData xmlns:pr="smNativeData" xmlns="smNativeData" val="SMDATA_16_a8OGZxMAAAAlAAAAZAAAAA8BAAAAkAAAAEgAAACQAAAASAAAAAAAAAAAAAAAAAAAAAEAAABQAAAAAAAAAAAA4D8AAAAAAADgPwAAAAAAAOA/AAAAAAAA4D8AAAAAAADgPwAAAAAAAOA/AAAAAAAA4D8AAAAAAADgPwAAAAAAAOA/AAAAAAAA4D8CAAAAjAAAAAAAAAAAAAAAu+DjDP///wgAAAAAAAAAAAAAAAAAAAAAAAAAAAAAAAAAAAAAZAAAAAEAAABAAAAAAAAAAAAAAAAAAAAAAAAAAAAAAAAAAAAAAAAAAAAAAAAAAAAAAAAAAAAAAAAAAAAAAAAAAAAAAAAAAAAAAAAAAAAAAAAAAAAAAAAAAAAAAAAAAAAAFAAAADwAAAAAAAAAAAAAAAAAAAkUAAAAAQAAABQAAAAUAAAAFAAAAAEAAAAAAAAAZAAAAGQAAAAAAAAAZAAAAGQAAAAVAAAAYAAAAAAAAAAAAAAADwAAACADAAAAAAAAAAAAAAEAAACgMgAAVgcAAKr4//8BAAAAf39/AAEAAABkAAAAAAAAABQAAABAHwAAAAAAACYAAAAAAAAAwOD//wAAAAAmAAAAZAAAABYAAABMAAAAAAAAAAAAAAAEAAAAAAAAAAEAAACAgIAKAAAAACgAAAAoAAAAZAAAAGQAAAAAAAAAzMzMAAAAAABQAAAAUAAAAGQAAABkAAAAAAAAABcAAAAUAAAAAAAAAAAAAAD/fwAA/38AAAAAAAAJAAAABAAAANw7IAEeAAAAaAAAAAAAAAAAAAAAAAAAAAAAAAAAAAAAECcAABAnAAAAAAAAAAAAAAAAAAAAAAAAAAAAAAAAAAAAAAAAAAAAABQAAAAAAAAAwMD/AAAAAABkAAAAMgAAAAAAAABkAAAAAAAAAH9/fwAKAAAAIgAAABgAAAAAAAAAAAAAAAAAAAAAAAAAAAAAAAAAAAAkAAAAJAAAAAAAAAAHAAAAAAAAAAAAAAAAAAAAAAAAAAAAAAAAAAAAf39/ACUAAABYAAAAAAAAAAAAAAAAAAAAAAAAAAAAAAAAAAAAAAAAAAAAAAAAAAAAAAAAAAAAAAA/AAAAAAAAAKCGAQAAAAAAAAAAAAAAAAAMAAAAAQAAAAAAAAAAAAAAAAAAAB8AAABUAAAAAAAABQAAAAEAAAAAAAAAAAAAAAAAAAAAAAAAAAAAAAAAAAAAAAAAAAAAAAJ/f38AAAAAA8zMzADAwP8Af39/AAAAAAAAAAAAAAAAAAAAAAAAAAAAIQAAABgAAAAUAAAAwAMAANgJAADhJAAAsCUAABAAAAAmAAAACAAAAAGAAAAAAAAAMAAAABQAAAAAAAAAAAD//wAAAQAAAP//AAABAA=="/>
               </a:ext>
             </a:extLst>
           </p:cNvSpPr>
@@ -1335,7 +1335,7 @@
             <a:spLocks noGrp="1" noChangeArrowheads="1"/>
             <a:extLst>
               <a:ext uri="smNativeData">
-                <pr:smNativeData xmlns:pr="smNativeData" xmlns="smNativeData" val="SMDATA_16_PryGZxMAAAAlAAAAZAAAAA8BAAAAkAAAAEgAAACQAAAASAAAAAAAAAAAAAAAAAAAAAEAAABQAAAAAAAAAAAA4D8AAAAAAADgPwAAAAAAAOA/AAAAAAAA4D8AAAAAAADgPwAAAAAAAOA/AAAAAAAA4D8AAAAAAADgPwAAAAAAAOA/AAAAAAAA4D8CAAAAjAAAAAAAAAAAAAAAu+DjDP///wgAAAAAAAAAAAAAAAAAAAAAAAAAAAAAAAAAAAAAZAAAAAEAAABAAAAAAAAAAAAAAAAAAAAAAAAAAAAAAAAAAAAAAAAAAAAAAAAAAAAAAAAAAAAAAAAAAAAAAAAAAAAAAAAAAAAAAAAAAAAAAAAAAAAAAAAAAAAAAAAAAAAAFAAAADwAAAAAAAAAAAAAAAAAAAkUAAAAAQAAABQAAAAUAAAAFAAAAAEAAAAAAAAAZAAAAGQAAAAAAAAAZAAAAGQAAAAVAAAAYAAAAAAAAAAAAAAADwAAACADAAAAAAAAAAAAAAEAAACgMgAAVgcAAKr4//8BAAAAf39/AAEAAABkAAAAAAAAABQAAABAHwAAAAAAACYAAAAAAAAAwOD//wAAAAAmAAAAZAAAABYAAABMAAAAAAAAAAAAAAAEAAAAAAAAAAEAAACAgIAKAAAAACgAAAAoAAAAZAAAAGQAAAAAAAAAzMzMAAAAAABQAAAAUAAAAGQAAABkAAAAAAAAABcAAAAUAAAAAAAAAAAAAAD/fwAA/38AAAAAAAAJAAAABAAAANw7IAEeAAAAaAAAAAAAAAAAAAAAAAAAAAAAAAAAAAAAECcAABAnAAAAAAAAAAAAAAAAAAAAAAAAAAAAAAAAAAAAAAAAAAAAABQAAAAAAAAAwMD/AAAAAABkAAAAMgAAAAAAAABkAAAAAAAAAH9/fwAKAAAAIgAAABgAAAAAAAAAAAAAAAAAAAAAAAAAAAAAAAAAAAAkAAAAJAAAAAAAAAAHAAAAAAAAAAAAAAAAAAAAAAAAAAAAAAAAAAAAf39/ACUAAABYAAAAAAAAAAAAAAAAAAAAAAAAAAAAAAAAAAAAAAAAAAAAAAAAAAAAAAAAAAAAAAA/AAAAAAAAAKCGAQAAAAAAAAAAAAAAAAAMAAAAAQAAAAAAAAAAAAAAAAAAAB8AAABUAAAAAAAABQAAAAEAAAAAAAAAAAAAAAAAAAAAAAAAAAAAAAAAAAAAAAAAAAAAAAJ/f38AAAAAA8zMzADAwP8Af39/AAAAAAAAAAAAAAAAAAAAAAAAAAAAIQAAABgAAAAUAAAAHyYAANgJAABARwAAsCUAABAAAAAmAAAACAAAAAGAAAAAAAAAMAAAABQAAAAAAAAAAAD//wAAAQAAAP//AAABAA=="/>
+                <pr:smNativeData xmlns:pr="smNativeData" xmlns="smNativeData" val="SMDATA_16_a8OGZxMAAAAlAAAAZAAAAA8BAAAAkAAAAEgAAACQAAAASAAAAAAAAAAAAAAAAAAAAAEAAABQAAAAAAAAAAAA4D8AAAAAAADgPwAAAAAAAOA/AAAAAAAA4D8AAAAAAADgPwAAAAAAAOA/AAAAAAAA4D8AAAAAAADgPwAAAAAAAOA/AAAAAAAA4D8CAAAAjAAAAAAAAAAAAAAAu+DjDP///wgAAAAAAAAAAAAAAAAAAAAAAAAAAAAAAAAAAAAAZAAAAAEAAABAAAAAAAAAAAAAAAAAAAAAAAAAAAAAAAAAAAAAAAAAAAAAAAAAAAAAAAAAAAAAAAAAAAAAAAAAAAAAAAAAAAAAAAAAAAAAAAAAAAAAAAAAAAAAAAAAAAAAFAAAADwAAAAAAAAAAAAAAAAAAAkUAAAAAQAAABQAAAAUAAAAFAAAAAEAAAAAAAAAZAAAAGQAAAAAAAAAZAAAAGQAAAAVAAAAYAAAAAAAAAAAAAAADwAAACADAAAAAAAAAAAAAAEAAACgMgAAVgcAAKr4//8BAAAAf39/AAEAAABkAAAAAAAAABQAAABAHwAAAAAAACYAAAAAAAAAwOD//wAAAAAmAAAAZAAAABYAAABMAAAAAAAAAAAAAAAEAAAAAAAAAAEAAACAgIAKAAAAACgAAAAoAAAAZAAAAGQAAAAAAAAAzMzMAAAAAABQAAAAUAAAAGQAAABkAAAAAAAAABcAAAAUAAAAAAAAAAAAAAD/fwAA/38AAAAAAAAJAAAABAAAANw7IAEeAAAAaAAAAAAAAAAAAAAAAAAAAAAAAAAAAAAAECcAABAnAAAAAAAAAAAAAAAAAAAAAAAAAAAAAAAAAAAAAAAAAAAAABQAAAAAAAAAwMD/AAAAAABkAAAAMgAAAAAAAABkAAAAAAAAAH9/fwAKAAAAIgAAABgAAAAAAAAAAAAAAAAAAAAAAAAAAAAAAAAAAAAkAAAAJAAAAAAAAAAHAAAAAAAAAAAAAAAAAAAAAAAAAAAAAAAAAAAAf39/ACUAAABYAAAAAAAAAAAAAAAAAAAAAAAAAAAAAAAAAAAAAAAAAAAAAAAAAAAAAAAAAAAAAAA/AAAAAAAAAKCGAQAAAAAAAAAAAAAAAAAMAAAAAQAAAAAAAAAAAAAAAAAAAB8AAABUAAAAAAAABQAAAAEAAAAAAAAAAAAAAAAAAAAAAAAAAAAAAAAAAAAAAAAAAAAAAAJ/f38AAAAAA8zMzADAwP8Af39/AAAAAAAAAAAAAAAAAAAAAAAAAAAAIQAAABgAAAAUAAAAHyYAANgJAABARwAAsCUAABAAAAAmAAAACAAAAAGAAAAAAAAAMAAAABQAAAAAAAAAAAD//wAAAQAAAP//AAABAA=="/>
               </a:ext>
             </a:extLst>
           </p:cNvSpPr>
@@ -1419,7 +1419,7 @@
             <a:spLocks noGrp="1" noChangeArrowheads="1"/>
             <a:extLst>
               <a:ext uri="smNativeData">
-                <pr:smNativeData xmlns:pr="smNativeData" xmlns="smNativeData" val="SMDATA_16_PryGZxMAAAAlAAAAZAAAAA8BAAAAkAAAAEgAAACQAAAASAAAAAAAAAABAAAAAAAAAAEAAABQAAAAAAAAAAAA4D8AAAAAAADgPwAAAAAAAOA/AAAAAAAA4D8AAAAAAADgPwAAAAAAAOA/AAAAAAAA4D8AAAAAAADgPwAAAAAAAOA/AAAAAAAA4D8CAAAAjAAAAAAAAAAAAAAAu+DjDP///wgAAAAAAAAAAAAAAAAAAAAAAAAAAAAAAAAAAAAAZAAAAAEAAABAAAAAAAAAAAAAAAAAAAAAAAAAAAAAAAAAAAAAAAAAAAAAAAAAAAAAAAAAAAAAAAAAAAAAAAAAAAAAAAAAAAAAAAAAAAAAAAAAAAAAAAAAAAAAAAAAAAAAFAAAADwAAAAAAAAAAAAAAAAAAAkUAAAAAQAAABQAAAAUAAAAFAAAAAEAAAAAAAAAZAAAAGQAAAAAAAAAZAAAAGQAAAAVAAAAYAAAAAAAAAAAAAAADwAAACADAAAAAAAAAAAAAAEAAACgMgAAVgcAAKr4//8BAAAAf39/AAEAAABkAAAAAAAAABQAAABAHwAAAAAAACYAAAAAAAAAwOD//wAAAAAmAAAAZAAAABYAAABMAAAAAAAAAAAAAAAEAAAAAAAAAAEAAACAgIAKAAAAACgAAAAoAAAAZAAAAGQAAAAAAAAAzMzMAAAAAABQAAAAUAAAAGQAAABkAAAAAAAAABcAAAAUAAAAAAAAAAAAAAD/fwAA/38AAAAAAAAJAAAABAAAANw7IAEeAAAAaAAAAAAAAAAAAAAAAAAAAAAAAAAAAAAAECcAABAnAAAAAAAAAAAAAAAAAAAAAAAAAAAAAAAAAAAAAAAAAAAAABQAAAAAAAAAwMD/AAAAAABkAAAAMgAAAAAAAABkAAAAAAAAAH9/fwAKAAAAIgAAABgAAAAAAAAAAAAAAAAAAAAAAAAAAAAAAAAAAAAkAAAAJAAAAAAAAAAHAAAAAAAAAAAAAAAAAAAAAAAAAAAAAAAAAAAAf39/ACUAAABYAAAAAAAAAAAAAAAAAAAAAAAAAAAAAAAAAAAAAAAAAAAAAAAAAAAAAAAAAAAAAAA/AAAAAAAAAKCGAQAAAAAAAAAAAAAAAAAMAAAAAQAAAAAAAAAAAAAAAAAAAB8AAABUAAAAAAAABQAAAAEAAAAAAAAAAAAAAAAAAAAAAAAAAAAAAAAAAAAAAAAAAAAAAAJ/f38AAAAAA8zMzADAwP8Af39/AAAAAAAAAAAAAAAAAAAAAAAAAAAAIQAAABgAAAAUAAAAwAMAABsnAAA/FQAAWSkAABAAAAAmAAAACAAAAAAAAAAAAAAAMAAAABQAAAAAAAAAAAD//wAAAQAAAP//AAABAA=="/>
+                <pr:smNativeData xmlns:pr="smNativeData" xmlns="smNativeData" val="SMDATA_16_a8OGZxMAAAAlAAAAZAAAAA8BAAAAkAAAAEgAAACQAAAASAAAAAAAAAABAAAAAAAAAAEAAABQAAAAAAAAAAAA4D8AAAAAAADgPwAAAAAAAOA/AAAAAAAA4D8AAAAAAADgPwAAAAAAAOA/AAAAAAAA4D8AAAAAAADgPwAAAAAAAOA/AAAAAAAA4D8CAAAAjAAAAAAAAAAAAAAAu+DjDP///wgAAAAAAAAAAAAAAAAAAAAAAAAAAAAAAAAAAAAAZAAAAAEAAABAAAAAAAAAAAAAAAAAAAAAAAAAAAAAAAAAAAAAAAAAAAAAAAAAAAAAAAAAAAAAAAAAAAAAAAAAAAAAAAAAAAAAAAAAAAAAAAAAAAAAAAAAAAAAAAAAAAAAFAAAADwAAAAAAAAAAAAAAAAAAAkUAAAAAQAAABQAAAAUAAAAFAAAAAEAAAAAAAAAZAAAAGQAAAAAAAAAZAAAAGQAAAAVAAAAYAAAAAAAAAAAAAAADwAAACADAAAAAAAAAAAAAAEAAACgMgAAVgcAAKr4//8BAAAAf39/AAEAAABkAAAAAAAAABQAAABAHwAAAAAAACYAAAAAAAAAwOD//wAAAAAmAAAAZAAAABYAAABMAAAAAAAAAAAAAAAEAAAAAAAAAAEAAACAgIAKAAAAACgAAAAoAAAAZAAAAGQAAAAAAAAAzMzMAAAAAABQAAAAUAAAAGQAAABkAAAAAAAAABcAAAAUAAAAAAAAAAAAAAD/fwAA/38AAAAAAAAJAAAABAAAANw7IAEeAAAAaAAAAAAAAAAAAAAAAAAAAAAAAAAAAAAAECcAABAnAAAAAAAAAAAAAAAAAAAAAAAAAAAAAAAAAAAAAAAAAAAAABQAAAAAAAAAwMD/AAAAAABkAAAAMgAAAAAAAABkAAAAAAAAAH9/fwAKAAAAIgAAABgAAAAAAAAAAAAAAAAAAAAAAAAAAAAAAAAAAAAkAAAAJAAAAAAAAAAHAAAAAAAAAAAAAAAAAAAAAAAAAAAAAAAAAAAAf39/ACUAAABYAAAAAAAAAAAAAAAAAAAAAAAAAAAAAAAAAAAAAAAAAAAAAAAAAAAAAAAAAAAAAAA/AAAAAAAAAKCGAQAAAAAAAAAAAAAAAAAMAAAAAQAAAAAAAAAAAAAAAAAAAB8AAABUAAAAAAAABQAAAAEAAAAAAAAAAAAAAAAAAAAAAAAAAAAAAAAAAAAAAAAAAAAAAAJ/f38AAAAAA8zMzADAwP8Af39/AAAAAAAAAAAAAAAAAAAAAAAAAAAAIQAAABgAAAAUAAAAwAMAABsnAAA/FQAAWSkAABAAAAAmAAAACAAAAAAAAAAAAAAAMAAAABQAAAAAAAAAAAD//wAAAQAAAP//AAABAA=="/>
               </a:ext>
             </a:extLst>
           </p:cNvSpPr>
@@ -1433,7 +1433,7 @@
           <a:lstStyle/>
           <a:p>
             <a:pPr/>
-            <a:fld id="{3D966437-79D0-C392-9E2E-8FC72A6068DA}" type="datetime1">
+            <a:fld id="{3C72AA3F-71D1-275C-9FCA-8709E48469D2}" type="datetime1">
               <a:t/>
             </a:fld>
           </a:p>
@@ -1446,7 +1446,7 @@
             <a:spLocks noGrp="1" noChangeArrowheads="1"/>
             <a:extLst>
               <a:ext uri="smNativeData">
-                <pr:smNativeData xmlns:pr="smNativeData" xmlns="smNativeData" val="SMDATA_16_PryGZxMAAAAlAAAAZAAAAA8BAAAAkAAAAEgAAACQAAAASAAAAAAAAAABAAAAAAAAAAEAAABQAAAAAAAAAAAA4D8AAAAAAADgPwAAAAAAAOA/AAAAAAAA4D8AAAAAAADgPwAAAAAAAOA/AAAAAAAA4D8AAAAAAADgPwAAAAAAAOA/AAAAAAAA4D8CAAAAjAAAAAAAAAAAAAAAu+DjDP///wgAAAAAAAAAAAAAAAAAAAAAAAAAAAAAAAAAAAAAZAAAAAEAAABAAAAAAAAAAAAAAAAAAAAAAAAAAAAAAAAAAAAAAAAAAAAAAAAAAAAAAAAAAAAAAAAAAAAAAAAAAAAAAAAAAAAAAAAAAAAAAAAAAAAAAAAAAAAAAAAAAAAAFAAAADwAAAAAAAAAAAAAAAAAAAkUAAAAAQAAABQAAAAUAAAAFAAAAAEAAAAAAAAAZAAAAGQAAAAAAAAAZAAAAGQAAAAVAAAAYAAAAAAAAAAAAAAADwAAACADAAAAAAAAAAAAAAEAAACgMgAAVgcAAKr4//8BAAAAf39/AAEAAABkAAAAAAAAABQAAABAHwAAAAAAACYAAAAAAAAAwOD//wAAAAAmAAAAZAAAABYAAABMAAAAAAAAAAAAAAAEAAAAAAAAAAEAAACAgIAKAAAAACgAAAAoAAAAZAAAAGQAAAAAAAAAzMzMAAAAAABQAAAAUAAAAGQAAABkAAAAAAAAABcAAAAUAAAAAAAAAAAAAAD/fwAA/38AAAAAAAAJAAAABAAAANw7IAEeAAAAaAAAAAAAAAAAAAAAAAAAAAAAAAAAAAAAECcAABAnAAAAAAAAAAAAAAAAAAAAAAAAAAAAAAAAAAAAAAAAAAAAABQAAAAAAAAAwMD/AAAAAABkAAAAMgAAAAAAAABkAAAAAAAAAH9/fwAKAAAAIgAAABgAAAAAAAAAAAAAAAAAAAAAAAAAAAAAAAAAAAAkAAAAJAAAAAAAAAAHAAAAAAAAAAAAAAAAAAAAAAAAAAAAAAAAAAAAf39/ACUAAABYAAAAAAAAAAAAAAAAAAAAAAAAAAAAAAAAAAAAAAAAAAAAAAAAAAAAAAAAAAAAAAA/AAAAAAAAAKCGAQAAAAAAAAAAAAAAAAAMAAAAAQAAAAAAAAAAAAAAAAAAAB8AAABUAAAAAAAABQAAAAEAAAAAAAAAAAAAAAAAAAAAAAAAAAAAAAAAAAAAAAAAAAAAAAJ/f38AAAAAA8zMzADAwP8Af39/AAAAAAAAAAAAAAAAAAAAAAAAAAAAIQAAABgAAAAUAAAAoRkAABsnAABfMQAAWSkAABAAAAAmAAAACAAAAAAAAAAAAAAAMAAAABQAAAAAAAAAAAD//wAAAQAAAP//AAABAA=="/>
+                <pr:smNativeData xmlns:pr="smNativeData" xmlns="smNativeData" val="SMDATA_16_a8OGZxMAAAAlAAAAZAAAAA8BAAAAkAAAAEgAAACQAAAASAAAAAAAAAABAAAAAAAAAAEAAABQAAAAAAAAAAAA4D8AAAAAAADgPwAAAAAAAOA/AAAAAAAA4D8AAAAAAADgPwAAAAAAAOA/AAAAAAAA4D8AAAAAAADgPwAAAAAAAOA/AAAAAAAA4D8CAAAAjAAAAAAAAAAAAAAAu+DjDP///wgAAAAAAAAAAAAAAAAAAAAAAAAAAAAAAAAAAAAAZAAAAAEAAABAAAAAAAAAAAAAAAAAAAAAAAAAAAAAAAAAAAAAAAAAAAAAAAAAAAAAAAAAAAAAAAAAAAAAAAAAAAAAAAAAAAAAAAAAAAAAAAAAAAAAAAAAAAAAAAAAAAAAFAAAADwAAAAAAAAAAAAAAAAAAAkUAAAAAQAAABQAAAAUAAAAFAAAAAEAAAAAAAAAZAAAAGQAAAAAAAAAZAAAAGQAAAAVAAAAYAAAAAAAAAAAAAAADwAAACADAAAAAAAAAAAAAAEAAACgMgAAVgcAAKr4//8BAAAAf39/AAEAAABkAAAAAAAAABQAAABAHwAAAAAAACYAAAAAAAAAwOD//wAAAAAmAAAAZAAAABYAAABMAAAAAAAAAAAAAAAEAAAAAAAAAAEAAACAgIAKAAAAACgAAAAoAAAAZAAAAGQAAAAAAAAAzMzMAAAAAABQAAAAUAAAAGQAAABkAAAAAAAAABcAAAAUAAAAAAAAAAAAAAD/fwAA/38AAAAAAAAJAAAABAAAANw7IAEeAAAAaAAAAAAAAAAAAAAAAAAAAAAAAAAAAAAAECcAABAnAAAAAAAAAAAAAAAAAAAAAAAAAAAAAAAAAAAAAAAAAAAAABQAAAAAAAAAwMD/AAAAAABkAAAAMgAAAAAAAABkAAAAAAAAAH9/fwAKAAAAIgAAABgAAAAAAAAAAAAAAAAAAAAAAAAAAAAAAAAAAAAkAAAAJAAAAAAAAAAHAAAAAAAAAAAAAAAAAAAAAAAAAAAAAAAAAAAAf39/ACUAAABYAAAAAAAAAAAAAAAAAAAAAAAAAAAAAAAAAAAAAAAAAAAAAAAAAAAAAAAAAAAAAAA/AAAAAAAAAKCGAQAAAAAAAAAAAAAAAAAMAAAAAQAAAAAAAAAAAAAAAAAAAB8AAABUAAAAAAAABQAAAAEAAAAAAAAAAAAAAAAAAAAAAAAAAAAAAAAAAAAAAAAAAAAAAAJ/f38AAAAAA8zMzADAwP8Af39/AAAAAAAAAAAAAAAAAAAAAAAAAAAAIQAAABgAAAAUAAAAoRkAABsnAABfMQAAWSkAABAAAAAmAAAACAAAAAAAAAAAAAAAMAAAABQAAAAAAAAAAAD//wAAAQAAAP//AAABAA=="/>
               </a:ext>
             </a:extLst>
           </p:cNvSpPr>
@@ -1470,7 +1470,7 @@
             <a:spLocks noGrp="1" noChangeArrowheads="1"/>
             <a:extLst>
               <a:ext uri="smNativeData">
-                <pr:smNativeData xmlns:pr="smNativeData" xmlns="smNativeData" val="SMDATA_16_PryGZxMAAAAlAAAAZAAAAA8BAAAAkAAAAEgAAACQAAAASAAAAAAAAAABAAAAAAAAAAEAAABQAAAAAAAAAAAA4D8AAAAAAADgPwAAAAAAAOA/AAAAAAAA4D8AAAAAAADgPwAAAAAAAOA/AAAAAAAA4D8AAAAAAADgPwAAAAAAAOA/AAAAAAAA4D8CAAAAjAAAAAAAAAAAAAAAu+DjDP///wgAAAAAAAAAAAAAAAAAAAAAAAAAAAAAAAAAAAAAZAAAAAEAAABAAAAAAAAAAAAAAAAAAAAAAAAAAAAAAAAAAAAAAAAAAAAAAAAAAAAAAAAAAAAAAAAAAAAAAAAAAAAAAAAAAAAAAAAAAAAAAAAAAAAAAAAAAAAAAAAAAAAAFAAAADwAAAAAAAAAAAAAAAAAAAkUAAAAAQAAABQAAAAUAAAAFAAAAAEAAAAAAAAAZAAAAGQAAAAAAAAAZAAAAGQAAAAVAAAAYAAAAAAAAAAAAAAADwAAACADAAAAAAAAAAAAAAEAAACgMgAAVgcAAKr4//8BAAAAf39/AAEAAABkAAAAAAAAABQAAABAHwAAAAAAACYAAAAAAAAAwOD//wAAAAAmAAAAZAAAABYAAABMAAAAAAAAAAAAAAAEAAAAAAAAAAEAAACAgIAKAAAAACgAAAAoAAAAZAAAAGQAAAAAAAAAzMzMAAAAAABQAAAAUAAAAGQAAABkAAAAAAAAABcAAAAUAAAAAAAAAAAAAAD/fwAA/38AAAAAAAAJAAAABAAAANw7IAEeAAAAaAAAAAAAAAAAAAAAAAAAAAAAAAAAAAAAECcAABAnAAAAAAAAAAAAAAAAAAAAAAAAAAAAAAAAAAAAAAAAAAAAABQAAAAAAAAAwMD/AAAAAABkAAAAMgAAAAAAAABkAAAAAAAAAH9/fwAKAAAAIgAAABgAAAAAAAAAAAAAAAAAAAAAAAAAAAAAAAAAAAAkAAAAJAAAAAAAAAAHAAAAAAAAAAAAAAAAAAAAAAAAAAAAAAAAAAAAf39/ACUAAABYAAAAAAAAAAAAAAAAAAAAAAAAAAAAAAAAAAAAAAAAAAAAAAAAAAAAAAAAAAAAAAA/AAAAAAAAAKCGAQAAAAAAAAAAAAAAAAAMAAAAAQAAAAAAAAAAAAAAAAAAAB8AAABUAAAAAAAABQAAAAEAAAAAAAAAAAAAAAAAAAAAAAAAAAAAAAAAAAAAAAAAAAAAAAJ/f38AAAAAA8zMzADAwP8Af39/AAAAAAAAAAAAAAAAAAAAAAAAAAAAIQAAABgAAAAUAAAAwTUAABsnAABARwAAWSkAABAAAAAmAAAACAAAAAAAAAAAAAAAMAAAABQAAAAAAAAAAAD//wAAAQAAAP//AAABAA=="/>
+                <pr:smNativeData xmlns:pr="smNativeData" xmlns="smNativeData" val="SMDATA_16_a8OGZxMAAAAlAAAAZAAAAA8BAAAAkAAAAEgAAACQAAAASAAAAAAAAAABAAAAAAAAAAEAAABQAAAAAAAAAAAA4D8AAAAAAADgPwAAAAAAAOA/AAAAAAAA4D8AAAAAAADgPwAAAAAAAOA/AAAAAAAA4D8AAAAAAADgPwAAAAAAAOA/AAAAAAAA4D8CAAAAjAAAAAAAAAAAAAAAu+DjDP///wgAAAAAAAAAAAAAAAAAAAAAAAAAAAAAAAAAAAAAZAAAAAEAAABAAAAAAAAAAAAAAAAAAAAAAAAAAAAAAAAAAAAAAAAAAAAAAAAAAAAAAAAAAAAAAAAAAAAAAAAAAAAAAAAAAAAAAAAAAAAAAAAAAAAAAAAAAAAAAAAAAAAAFAAAADwAAAAAAAAAAAAAAAAAAAkUAAAAAQAAABQAAAAUAAAAFAAAAAEAAAAAAAAAZAAAAGQAAAAAAAAAZAAAAGQAAAAVAAAAYAAAAAAAAAAAAAAADwAAACADAAAAAAAAAAAAAAEAAACgMgAAVgcAAKr4//8BAAAAf39/AAEAAABkAAAAAAAAABQAAABAHwAAAAAAACYAAAAAAAAAwOD//wAAAAAmAAAAZAAAABYAAABMAAAAAAAAAAAAAAAEAAAAAAAAAAEAAACAgIAKAAAAACgAAAAoAAAAZAAAAGQAAAAAAAAAzMzMAAAAAABQAAAAUAAAAGQAAABkAAAAAAAAABcAAAAUAAAAAAAAAAAAAAD/fwAA/38AAAAAAAAJAAAABAAAANw7IAEeAAAAaAAAAAAAAAAAAAAAAAAAAAAAAAAAAAAAECcAABAnAAAAAAAAAAAAAAAAAAAAAAAAAAAAAAAAAAAAAAAAAAAAABQAAAAAAAAAwMD/AAAAAABkAAAAMgAAAAAAAABkAAAAAAAAAH9/fwAKAAAAIgAAABgAAAAAAAAAAAAAAAAAAAAAAAAAAAAAAAAAAAAkAAAAJAAAAAAAAAAHAAAAAAAAAAAAAAAAAAAAAAAAAAAAAAAAAAAAf39/ACUAAABYAAAAAAAAAAAAAAAAAAAAAAAAAAAAAAAAAAAAAAAAAAAAAAAAAAAAAAAAAAAAAAA/AAAAAAAAAKCGAQAAAAAAAAAAAAAAAAAMAAAAAQAAAAAAAAAAAAAAAAAAAB8AAABUAAAAAAAABQAAAAEAAAAAAAAAAAAAAAAAAAAAAAAAAAAAAAAAAAAAAAAAAAAAAAJ/f38AAAAAA8zMzADAwP8Af39/AAAAAAAAAAAAAAAAAAAAAAAAAAAAIQAAABgAAAAUAAAAwTUAABsnAABARwAAWSkAABAAAAAmAAAACAAAAAAAAAAAAAAAMAAAABQAAAAAAAAAAAD//wAAAQAAAP//AAABAA=="/>
               </a:ext>
             </a:extLst>
           </p:cNvSpPr>
@@ -1484,7 +1484,7 @@
           <a:lstStyle/>
           <a:p>
             <a:pPr/>
-            <a:fld id="{3D9633E3-ADD0-C3C5-9E2E-5B907D60680E}" type="slidenum">
+            <a:fld id="{3C72F9EB-A5D1-270F-9FCA-535AB7846906}" type="slidenum">
               <a:t/>
             </a:fld>
           </a:p>
@@ -1523,7 +1523,7 @@
             <a:spLocks noGrp="1" noChangeArrowheads="1"/>
             <a:extLst>
               <a:ext uri="smNativeData">
-                <pr:smNativeData xmlns:pr="smNativeData" xmlns="smNativeData" val="SMDATA_16_PryGZxMAAAAlAAAAZAAAAA8BAAAAkAAAAEgAAACQAAAASAAAAAAAAAABAAAAAAAAAAEAAABQAAAAAAAAAAAA4D8AAAAAAADgPwAAAAAAAOA/AAAAAAAA4D8AAAAAAADgPwAAAAAAAOA/AAAAAAAA4D8AAAAAAADgPwAAAAAAAOA/AAAAAAAA4D8CAAAAjAAAAAAAAAAAAAAAu+DjDP///wgAAAAAAAAAAAAAAAAAAAAAAAAAAAAAAAAAAAAAZAAAAAEAAABAAAAAAAAAAAAAAAAAAAAAAAAAAAAAAAAAAAAAAAAAAAAAAAAAAAAAAAAAAAAAAAAAAAAAAAAAAAAAAAAAAAAAAAAAAAAAAAAAAAAAAAAAAAAAAAAAAAAAFAAAADwAAAAAAAAAAAAAAAAAAAkUAAAAAQAAABQAAAAUAAAAFAAAAAEAAAAAAAAAZAAAAGQAAAAAAAAAZAAAAGQAAAAVAAAAYAAAAAAAAAAAAAAADwAAACADAAAAAAAAAAAAAAEAAACgMgAAVgcAAKr4//8BAAAAf39/AAEAAABkAAAAAAAAABQAAABAHwAAAAAAACYAAAAAAAAAwOD//wAAAAAmAAAAZAAAABYAAABMAAAAAAAAAAAAAAAEAAAAAAAAAAEAAACAgIAKAAAAACgAAAAoAAAAZAAAAGQAAAAAAAAAzMzMAAAAAABQAAAAUAAAAGQAAABkAAAAAAAAABcAAAAUAAAAAAAAAAAAAAD/fwAA/38AAAAAAAAJAAAABAAAANw7IAEeAAAAaAAAAAAAAAAAAAAAAAAAAAAAAAAAAAAAECcAABAnAAAAAAAAAAAAAAAAAAAAAAAAAAAAAAAAAAAAAAAAAAAAABQAAAAAAAAAwMD/AAAAAABkAAAAMgAAAAAAAABkAAAAAAAAAH9/fwAKAAAAIgAAABgAAAAAAAAAAAAAAAAAAAAAAAAAAAAAAAAAAAAkAAAAJAAAAAAAAAAHAAAAAAAAAAAAAAAAAAAAAAAAAAAAAAAAAAAAf39/ACUAAABYAAAAAAAAAAAAAAAAAAAAAAAAAAAAAAAAAAAAAAAAAAAAAAAAAAAAAAAAAAAAAAA/AAAAAAAAAKCGAQAAAAAAAAAAAAAAAAAMAAAAAQAAAAAAAAAAAAAAAAAAAB8AAABUAAAAAAAABQAAAAEAAAAAAAAAAAAAAAAAAAAAAAAAAAAAAAAAAAAAAAAAAAAAAAJ/f38AAAAAA8zMzADAwP8Af39/AAAAAAAAAAAAAAAAAAAAAAAAAAAAIQAAABgAAAAUAAAAwAMAALABAABARwAAuAgAABAAAAAmAAAACAAAAAAAAAAAAAAAMAAAABQAAAAAAAAAAAD//wAAAQAAAP//AAABAA=="/>
+                <pr:smNativeData xmlns:pr="smNativeData" xmlns="smNativeData" val="SMDATA_16_a8OGZxMAAAAlAAAAZAAAAA8BAAAAkAAAAEgAAACQAAAASAAAAAAAAAABAAAAAAAAAAEAAABQAAAAAAAAAAAA4D8AAAAAAADgPwAAAAAAAOA/AAAAAAAA4D8AAAAAAADgPwAAAAAAAOA/AAAAAAAA4D8AAAAAAADgPwAAAAAAAOA/AAAAAAAA4D8CAAAAjAAAAAAAAAAAAAAAu+DjDP///wgAAAAAAAAAAAAAAAAAAAAAAAAAAAAAAAAAAAAAZAAAAAEAAABAAAAAAAAAAAAAAAAAAAAAAAAAAAAAAAAAAAAAAAAAAAAAAAAAAAAAAAAAAAAAAAAAAAAAAAAAAAAAAAAAAAAAAAAAAAAAAAAAAAAAAAAAAAAAAAAAAAAAFAAAADwAAAAAAAAAAAAAAAAAAAkUAAAAAQAAABQAAAAUAAAAFAAAAAEAAAAAAAAAZAAAAGQAAAAAAAAAZAAAAGQAAAAVAAAAYAAAAAAAAAAAAAAADwAAACADAAAAAAAAAAAAAAEAAACgMgAAVgcAAKr4//8BAAAAf39/AAEAAABkAAAAAAAAABQAAABAHwAAAAAAACYAAAAAAAAAwOD//wAAAAAmAAAAZAAAABYAAABMAAAAAAAAAAAAAAAEAAAAAAAAAAEAAACAgIAKAAAAACgAAAAoAAAAZAAAAGQAAAAAAAAAzMzMAAAAAABQAAAAUAAAAGQAAABkAAAAAAAAABcAAAAUAAAAAAAAAAAAAAD/fwAA/38AAAAAAAAJAAAABAAAANw7IAEeAAAAaAAAAAAAAAAAAAAAAAAAAAAAAAAAAAAAECcAABAnAAAAAAAAAAAAAAAAAAAAAAAAAAAAAAAAAAAAAAAAAAAAABQAAAAAAAAAwMD/AAAAAABkAAAAMgAAAAAAAABkAAAAAAAAAH9/fwAKAAAAIgAAABgAAAAAAAAAAAAAAAAAAAAAAAAAAAAAAAAAAAAkAAAAJAAAAAAAAAAHAAAAAAAAAAAAAAAAAAAAAAAAAAAAAAAAAAAAf39/ACUAAABYAAAAAAAAAAAAAAAAAAAAAAAAAAAAAAAAAAAAAAAAAAAAAAAAAAAAAAAAAAAAAAA/AAAAAAAAAKCGAQAAAAAAAAAAAAAAAAAMAAAAAQAAAAAAAAAAAAAAAAAAAB8AAABUAAAAAAAABQAAAAEAAAAAAAAAAAAAAAAAAAAAAAAAAAAAAAAAAAAAAAAAAAAAAAJ/f38AAAAAA8zMzADAwP8Af39/AAAAAAAAAAAAAAAAAAAAAAAAAAAAIQAAABgAAAAUAAAAwAMAALABAABARwAAuAgAABAAAAAmAAAACAAAAAAAAAAAAAAAMAAAABQAAAAAAAAAAAD//wAAAQAAAP//AAABAA=="/>
               </a:ext>
             </a:extLst>
           </p:cNvSpPr>
@@ -1550,7 +1550,7 @@
             <a:spLocks noGrp="1" noChangeArrowheads="1"/>
             <a:extLst>
               <a:ext uri="smNativeData">
-                <pr:smNativeData xmlns:pr="smNativeData" xmlns="smNativeData" val="SMDATA_16_PryGZxMAAAAlAAAAZAAAAA8BAAAAkAAAAEgAAACQAAAASAAAAAAAAAACAAAAAAAAAAEAAABQAAAAAAAAAAAA4D8AAAAAAADgPwAAAAAAAOA/AAAAAAAA4D8AAAAAAADgPwAAAAAAAOA/AAAAAAAA4D8AAAAAAADgPwAAAAAAAOA/AAAAAAAA4D8CAAAAjAAAAAAAAAAAAAAAu+DjDP///wgAAAAAAAAAAAAAAAAAAAAAAAAAAAAAAAAAAAAAZAAAAAEAAABAAAAAAAAAAAAAAAAAAAAAAAAAAAAAAAAAAAAAAAAAAAAAAAAAAAAAAAAAAAAAAAAAAAAAAAAAAAAAAAAAAAAAAAAAAAAAAAAAAAAAAAAAAAAAAAAAAAAAFAAAADwAAAAAAAAAAAAAAAAAAAkUAAAAAQAAABQAAAAUAAAAFAAAAAEAAAAAAAAAZAAAAGQAAAAAAAAAZAAAAGQAAAAVAAAAYAAAAAAAAAAAAAAADwAAACADAAAAAAAAAAAAAAEAAACgMgAAVgcAAKr4//8BAAAAf39/AAEAAABkAAAAAAAAABQAAABAHwAAAAAAACYAAAAAAAAAwOD//wAAAAAmAAAAZAAAABYAAABMAAAAAAAAAAAAAAAEAAAAAAAAAAEAAACAgIAKAAAAACgAAAAoAAAAZAAAAGQAAAAAAAAAzMzMAAAAAABQAAAAUAAAAGQAAABkAAAAAAAAABcAAAAUAAAAAAAAAAAAAAD/fwAA/38AAAAAAAAJAAAABAAAANw7IAEeAAAAaAAAAAAAAAAAAAAAAAAAAAAAAAAAAAAAECcAABAnAAAAAAAAAAAAAAAAAAAAAAAAAAAAAAAAAAAAAAAAAAAAABQAAAAAAAAAwMD/AAAAAABkAAAAMgAAAAAAAABkAAAAAAAAAH9/fwAKAAAAIgAAABgAAAAAAAAAAAAAAAAAAAAAAAAAAAAAAAAAAAAkAAAAJAAAAAAAAAAHAAAAAAAAAAAAAAAAAAAAAAAAAAAAAAAAAAAAf39/ACUAAABYAAAAAAAAAAAAAAAAAAAAAAAAAAAAAAAAAAAAAAAAAAAAAAAAAAAAAAAAAAAAAAA/AAAAAAAAAKCGAQAAAAAAAAAAAAAAAAAMAAAAAQAAAAAAAAAAAAAAAAAAAB8AAABUAAAAAAAABQAAAAEAAAAAAAAAAAAAAAAAAAAAAAAAAAAAAAAAAAAAAAAAAAAAAAJ/f38AAAAAA8zMzADAwP8Af39/AAAAAAAAAAAAAAAAAAAAAAAAAAAAIQAAABgAAAAUAAAAwAMAAHEJAADjJAAAYQ0AABAAAAAmAAAACAAAAIGAAAAAAAAAMAAAABQAAAAAAAAAAAD//wAAAQAAAP//AAABAA=="/>
+                <pr:smNativeData xmlns:pr="smNativeData" xmlns="smNativeData" val="SMDATA_16_a8OGZxMAAAAlAAAAZAAAAA8BAAAAkAAAAEgAAACQAAAASAAAAAAAAAACAAAAAAAAAAEAAABQAAAAAAAAAAAA4D8AAAAAAADgPwAAAAAAAOA/AAAAAAAA4D8AAAAAAADgPwAAAAAAAOA/AAAAAAAA4D8AAAAAAADgPwAAAAAAAOA/AAAAAAAA4D8CAAAAjAAAAAAAAAAAAAAAu+DjDP///wgAAAAAAAAAAAAAAAAAAAAAAAAAAAAAAAAAAAAAZAAAAAEAAABAAAAAAAAAAAAAAAAAAAAAAAAAAAAAAAAAAAAAAAAAAAAAAAAAAAAAAAAAAAAAAAAAAAAAAAAAAAAAAAAAAAAAAAAAAAAAAAAAAAAAAAAAAAAAAAAAAAAAFAAAADwAAAAAAAAAAAAAAAAAAAkUAAAAAQAAABQAAAAUAAAAFAAAAAEAAAAAAAAAZAAAAGQAAAAAAAAAZAAAAGQAAAAVAAAAYAAAAAAAAAAAAAAADwAAACADAAAAAAAAAAAAAAEAAACgMgAAVgcAAKr4//8BAAAAf39/AAEAAABkAAAAAAAAABQAAABAHwAAAAAAACYAAAAAAAAAwOD//wAAAAAmAAAAZAAAABYAAABMAAAAAAAAAAAAAAAEAAAAAAAAAAEAAACAgIAKAAAAACgAAAAoAAAAZAAAAGQAAAAAAAAAzMzMAAAAAABQAAAAUAAAAGQAAABkAAAAAAAAABcAAAAUAAAAAAAAAAAAAAD/fwAA/38AAAAAAAAJAAAABAAAANw7IAEeAAAAaAAAAAAAAAAAAAAAAAAAAAAAAAAAAAAAECcAABAnAAAAAAAAAAAAAAAAAAAAAAAAAAAAAAAAAAAAAAAAAAAAABQAAAAAAAAAwMD/AAAAAABkAAAAMgAAAAAAAABkAAAAAAAAAH9/fwAKAAAAIgAAABgAAAAAAAAAAAAAAAAAAAAAAAAAAAAAAAAAAAAkAAAAJAAAAAAAAAAHAAAAAAAAAAAAAAAAAAAAAAAAAAAAAAAAAAAAf39/ACUAAABYAAAAAAAAAAAAAAAAAAAAAAAAAAAAAAAAAAAAAAAAAAAAAAAAAAAAAAAAAAAAAAA/AAAAAAAAAKCGAQAAAAAAAAAAAAAAAAAMAAAAAQAAAAAAAAAAAAAAAAAAAB8AAABUAAAAAAAABQAAAAEAAAAAAAAAAAAAAAAAAAAAAAAAAAAAAAAAAAAAAAAAAAAAAAJ/f38AAAAAA8zMzADAwP8Af39/AAAAAAAAAAAAAAAAAAAAAAAAAAAAIQAAABgAAAAUAAAAwAMAAHEJAADjJAAAYQ0AABAAAAAmAAAACAAAAIGAAAAAAAAAMAAAABQAAAAAAAAAAAD//wAAAQAAAP//AAABAA=="/>
               </a:ext>
             </a:extLst>
           </p:cNvSpPr>
@@ -1623,7 +1623,7 @@
             <a:spLocks noGrp="1" noChangeArrowheads="1"/>
             <a:extLst>
               <a:ext uri="smNativeData">
-                <pr:smNativeData xmlns:pr="smNativeData" xmlns="smNativeData" val="SMDATA_16_PryGZxMAAAAlAAAAZAAAAA8BAAAAkAAAAEgAAACQAAAASAAAAAAAAAAAAAAAAAAAAAEAAABQAAAAAAAAAAAA4D8AAAAAAADgPwAAAAAAAOA/AAAAAAAA4D8AAAAAAADgPwAAAAAAAOA/AAAAAAAA4D8AAAAAAADgPwAAAAAAAOA/AAAAAAAA4D8CAAAAjAAAAAAAAAAAAAAAu+DjDP///wgAAAAAAAAAAAAAAAAAAAAAAAAAAAAAAAAAAAAAZAAAAAEAAABAAAAAAAAAAAAAAAAAAAAAAAAAAAAAAAAAAAAAAAAAAAAAAAAAAAAAAAAAAAAAAAAAAAAAAAAAAAAAAAAAAAAAAAAAAAAAAAAAAAAAAAAAAAAAAAAAAAAAFAAAADwAAAAAAAAAAAAAAAAAAAkUAAAAAQAAABQAAAAUAAAAFAAAAAEAAAAAAAAAZAAAAGQAAAAAAAAAZAAAAGQAAAAVAAAAYAAAAAAAAAAAAAAADwAAACADAAAAAAAAAAAAAAEAAACgMgAAVgcAAKr4//8BAAAAf39/AAEAAABkAAAAAAAAABQAAABAHwAAAAAAACYAAAAAAAAAwOD//wAAAAAmAAAAZAAAABYAAABMAAAAAAAAAAAAAAAEAAAAAAAAAAEAAACAgIAKAAAAACgAAAAoAAAAZAAAAGQAAAAAAAAAzMzMAAAAAABQAAAAUAAAAGQAAABkAAAAAAAAABcAAAAUAAAAAAAAAAAAAAD/fwAA/38AAAAAAAAJAAAABAAAANw7IAEeAAAAaAAAAAAAAAAAAAAAAAAAAAAAAAAAAAAAECcAABAnAAAAAAAAAAAAAAAAAAAAAAAAAAAAAAAAAAAAAAAAAAAAABQAAAAAAAAAwMD/AAAAAABkAAAAMgAAAAAAAABkAAAAAAAAAH9/fwAKAAAAIgAAABgAAAAAAAAAAAAAAAAAAAAAAAAAAAAAAAAAAAAkAAAAJAAAAAAAAAAHAAAAAAAAAAAAAAAAAAAAAAAAAAAAAAAAAAAAf39/ACUAAABYAAAAAAAAAAAAAAAAAAAAAAAAAAAAAAAAAAAAAAAAAAAAAAAAAAAAAAAAAAAAAAA/AAAAAAAAAKCGAQAAAAAAAAAAAAAAAAAMAAAAAQAAAAAAAAAAAAAAAAAAAB8AAABUAAAAAAAABQAAAAEAAAAAAAAAAAAAAAAAAAAAAAAAAAAAAAAAAAAAAAAAAAAAAAJ/f38AAAAAA8zMzADAwP8Af39/AAAAAAAAAAAAAAAAAAAAAAAAAAAAIQAAABgAAAAUAAAAwAMAAGENAADjJAAAsCUAABAAAAAmAAAACAAAAAGAAAAAAAAAMAAAABQAAAAAAAAAAAD//wAAAQAAAP//AAABAA=="/>
+                <pr:smNativeData xmlns:pr="smNativeData" xmlns="smNativeData" val="SMDATA_16_a8OGZxMAAAAlAAAAZAAAAA8BAAAAkAAAAEgAAACQAAAASAAAAAAAAAAAAAAAAAAAAAEAAABQAAAAAAAAAAAA4D8AAAAAAADgPwAAAAAAAOA/AAAAAAAA4D8AAAAAAADgPwAAAAAAAOA/AAAAAAAA4D8AAAAAAADgPwAAAAAAAOA/AAAAAAAA4D8CAAAAjAAAAAAAAAAAAAAAu+DjDP///wgAAAAAAAAAAAAAAAAAAAAAAAAAAAAAAAAAAAAAZAAAAAEAAABAAAAAAAAAAAAAAAAAAAAAAAAAAAAAAAAAAAAAAAAAAAAAAAAAAAAAAAAAAAAAAAAAAAAAAAAAAAAAAAAAAAAAAAAAAAAAAAAAAAAAAAAAAAAAAAAAAAAAFAAAADwAAAAAAAAAAAAAAAAAAAkUAAAAAQAAABQAAAAUAAAAFAAAAAEAAAAAAAAAZAAAAGQAAAAAAAAAZAAAAGQAAAAVAAAAYAAAAAAAAAAAAAAADwAAACADAAAAAAAAAAAAAAEAAACgMgAAVgcAAKr4//8BAAAAf39/AAEAAABkAAAAAAAAABQAAABAHwAAAAAAACYAAAAAAAAAwOD//wAAAAAmAAAAZAAAABYAAABMAAAAAAAAAAAAAAAEAAAAAAAAAAEAAACAgIAKAAAAACgAAAAoAAAAZAAAAGQAAAAAAAAAzMzMAAAAAABQAAAAUAAAAGQAAABkAAAAAAAAABcAAAAUAAAAAAAAAAAAAAD/fwAA/38AAAAAAAAJAAAABAAAANw7IAEeAAAAaAAAAAAAAAAAAAAAAAAAAAAAAAAAAAAAECcAABAnAAAAAAAAAAAAAAAAAAAAAAAAAAAAAAAAAAAAAAAAAAAAABQAAAAAAAAAwMD/AAAAAABkAAAAMgAAAAAAAABkAAAAAAAAAH9/fwAKAAAAIgAAABgAAAAAAAAAAAAAAAAAAAAAAAAAAAAAAAAAAAAkAAAAJAAAAAAAAAAHAAAAAAAAAAAAAAAAAAAAAAAAAAAAAAAAAAAAf39/ACUAAABYAAAAAAAAAAAAAAAAAAAAAAAAAAAAAAAAAAAAAAAAAAAAAAAAAAAAAAAAAAAAAAA/AAAAAAAAAKCGAQAAAAAAAAAAAAAAAAAMAAAAAQAAAAAAAAAAAAAAAAAAAB8AAABUAAAAAAAABQAAAAEAAAAAAAAAAAAAAAAAAAAAAAAAAAAAAAAAAAAAAAAAAAAAAAJ/f38AAAAAA8zMzADAwP8Af39/AAAAAAAAAAAAAAAAAAAAAAAAAAAAIQAAABgAAAAUAAAAwAMAAGENAADjJAAAsCUAABAAAAAmAAAACAAAAAGAAAAAAAAAMAAAABQAAAAAAAAAAAD//wAAAQAAAP//AAABAA=="/>
               </a:ext>
             </a:extLst>
           </p:cNvSpPr>
@@ -1707,7 +1707,7 @@
             <a:spLocks noGrp="1" noChangeArrowheads="1"/>
             <a:extLst>
               <a:ext uri="smNativeData">
-                <pr:smNativeData xmlns:pr="smNativeData" xmlns="smNativeData" val="SMDATA_16_PryGZxMAAAAlAAAAZAAAAA8BAAAAkAAAAEgAAACQAAAASAAAAAAAAAACAAAAAAAAAAEAAABQAAAAAAAAAAAA4D8AAAAAAADgPwAAAAAAAOA/AAAAAAAA4D8AAAAAAADgPwAAAAAAAOA/AAAAAAAA4D8AAAAAAADgPwAAAAAAAOA/AAAAAAAA4D8CAAAAjAAAAAAAAAAAAAAAu+DjDP///wgAAAAAAAAAAAAAAAAAAAAAAAAAAAAAAAAAAAAAZAAAAAEAAABAAAAAAAAAAAAAAAAAAAAAAAAAAAAAAAAAAAAAAAAAAAAAAAAAAAAAAAAAAAAAAAAAAAAAAAAAAAAAAAAAAAAAAAAAAAAAAAAAAAAAAAAAAAAAAAAAAAAAFAAAADwAAAAAAAAAAAAAAAAAAAkUAAAAAQAAABQAAAAUAAAAFAAAAAEAAAAAAAAAZAAAAGQAAAAAAAAAZAAAAGQAAAAVAAAAYAAAAAAAAAAAAAAADwAAACADAAAAAAAAAAAAAAEAAACgMgAAVgcAAKr4//8BAAAAf39/AAEAAABkAAAAAAAAABQAAABAHwAAAAAAACYAAAAAAAAAwOD//wAAAAAmAAAAZAAAABYAAABMAAAAAAAAAAAAAAAEAAAAAAAAAAEAAACAgIAKAAAAACgAAAAoAAAAZAAAAGQAAAAAAAAAzMzMAAAAAABQAAAAUAAAAGQAAABkAAAAAAAAABcAAAAUAAAAAAAAAAAAAAD/fwAA/38AAAAAAAAJAAAABAAAANw7IAEeAAAAaAAAAAAAAAAAAAAAAAAAAAAAAAAAAAAAECcAABAnAAAAAAAAAAAAAAAAAAAAAAAAAAAAAAAAAAAAAAAAAAAAABQAAAAAAAAAwMD/AAAAAABkAAAAMgAAAAAAAABkAAAAAAAAAH9/fwAKAAAAIgAAABgAAAAAAAAAAAAAAAAAAAAAAAAAAAAAAAAAAAAkAAAAJAAAAAAAAAAHAAAAAAAAAAAAAAAAAAAAAAAAAAAAAAAAAAAAf39/ACUAAABYAAAAAAAAAAAAAAAAAAAAAAAAAAAAAAAAAAAAAAAAAAAAAAAAAAAAAAAAAAAAAAA/AAAAAAAAAKCGAQAAAAAAAAAAAAAAAAAMAAAAAQAAAAAAAAAAAAAAAAAAAB8AAABUAAAAAAAABQAAAAEAAAAAAAAAAAAAAAAAAAAAAAAAAAAAAAAAAAAAAAAAAAAAAAJ/f38AAAAAA8zMzADAwP8Af39/AAAAAAAAAAAAAAAAAAAAAAAAAAAAIQAAABgAAAAUAAAAHSYAAHEJAABARwAAYQ0AABAAAAAmAAAACAAAAIGAAAAAAAAAMAAAABQAAAAAAAAAAAD//wAAAQAAAP//AAABAA=="/>
+                <pr:smNativeData xmlns:pr="smNativeData" xmlns="smNativeData" val="SMDATA_16_a8OGZxMAAAAlAAAAZAAAAA8BAAAAkAAAAEgAAACQAAAASAAAAAAAAAACAAAAAAAAAAEAAABQAAAAAAAAAAAA4D8AAAAAAADgPwAAAAAAAOA/AAAAAAAA4D8AAAAAAADgPwAAAAAAAOA/AAAAAAAA4D8AAAAAAADgPwAAAAAAAOA/AAAAAAAA4D8CAAAAjAAAAAAAAAAAAAAAu+DjDP///wgAAAAAAAAAAAAAAAAAAAAAAAAAAAAAAAAAAAAAZAAAAAEAAABAAAAAAAAAAAAAAAAAAAAAAAAAAAAAAAAAAAAAAAAAAAAAAAAAAAAAAAAAAAAAAAAAAAAAAAAAAAAAAAAAAAAAAAAAAAAAAAAAAAAAAAAAAAAAAAAAAAAAFAAAADwAAAAAAAAAAAAAAAAAAAkUAAAAAQAAABQAAAAUAAAAFAAAAAEAAAAAAAAAZAAAAGQAAAAAAAAAZAAAAGQAAAAVAAAAYAAAAAAAAAAAAAAADwAAACADAAAAAAAAAAAAAAEAAACgMgAAVgcAAKr4//8BAAAAf39/AAEAAABkAAAAAAAAABQAAABAHwAAAAAAACYAAAAAAAAAwOD//wAAAAAmAAAAZAAAABYAAABMAAAAAAAAAAAAAAAEAAAAAAAAAAEAAACAgIAKAAAAACgAAAAoAAAAZAAAAGQAAAAAAAAAzMzMAAAAAABQAAAAUAAAAGQAAABkAAAAAAAAABcAAAAUAAAAAAAAAAAAAAD/fwAA/38AAAAAAAAJAAAABAAAANw7IAEeAAAAaAAAAAAAAAAAAAAAAAAAAAAAAAAAAAAAECcAABAnAAAAAAAAAAAAAAAAAAAAAAAAAAAAAAAAAAAAAAAAAAAAABQAAAAAAAAAwMD/AAAAAABkAAAAMgAAAAAAAABkAAAAAAAAAH9/fwAKAAAAIgAAABgAAAAAAAAAAAAAAAAAAAAAAAAAAAAAAAAAAAAkAAAAJAAAAAAAAAAHAAAAAAAAAAAAAAAAAAAAAAAAAAAAAAAAAAAAf39/ACUAAABYAAAAAAAAAAAAAAAAAAAAAAAAAAAAAAAAAAAAAAAAAAAAAAAAAAAAAAAAAAAAAAA/AAAAAAAAAKCGAQAAAAAAAAAAAAAAAAAMAAAAAQAAAAAAAAAAAAAAAAAAAB8AAABUAAAAAAAABQAAAAEAAAAAAAAAAAAAAAAAAAAAAAAAAAAAAAAAAAAAAAAAAAAAAAJ/f38AAAAAA8zMzADAwP8Af39/AAAAAAAAAAAAAAAAAAAAAAAAAAAAIQAAABgAAAAUAAAAHSYAAHEJAABARwAAYQ0AABAAAAAmAAAACAAAAIGAAAAAAAAAMAAAABQAAAAAAAAAAAD//wAAAQAAAP//AAABAA=="/>
               </a:ext>
             </a:extLst>
           </p:cNvSpPr>
@@ -1780,7 +1780,7 @@
             <a:spLocks noGrp="1" noChangeArrowheads="1"/>
             <a:extLst>
               <a:ext uri="smNativeData">
-                <pr:smNativeData xmlns:pr="smNativeData" xmlns="smNativeData" val="SMDATA_16_PryGZxMAAAAlAAAAZAAAAA8BAAAAkAAAAEgAAACQAAAASAAAAAAAAAAAAAAAAAAAAAEAAABQAAAAAAAAAAAA4D8AAAAAAADgPwAAAAAAAOA/AAAAAAAA4D8AAAAAAADgPwAAAAAAAOA/AAAAAAAA4D8AAAAAAADgPwAAAAAAAOA/AAAAAAAA4D8CAAAAjAAAAAAAAAAAAAAAu+DjDP///wgAAAAAAAAAAAAAAAAAAAAAAAAAAAAAAAAAAAAAZAAAAAEAAABAAAAAAAAAAAAAAAAAAAAAAAAAAAAAAAAAAAAAAAAAAAAAAAAAAAAAAAAAAAAAAAAAAAAAAAAAAAAAAAAAAAAAAAAAAAAAAAAAAAAAAAAAAAAAAAAAAAAAFAAAADwAAAAAAAAAAAAAAAAAAAkUAAAAAQAAABQAAAAUAAAAFAAAAAEAAAAAAAAAZAAAAGQAAAAAAAAAZAAAAGQAAAAVAAAAYAAAAAAAAAAAAAAADwAAACADAAAAAAAAAAAAAAEAAACgMgAAVgcAAKr4//8BAAAAf39/AAEAAABkAAAAAAAAABQAAABAHwAAAAAAACYAAAAAAAAAwOD//wAAAAAmAAAAZAAAABYAAABMAAAAAAAAAAAAAAAEAAAAAAAAAAEAAACAgIAKAAAAACgAAAAoAAAAZAAAAGQAAAAAAAAAzMzMAAAAAABQAAAAUAAAAGQAAABkAAAAAAAAABcAAAAUAAAAAAAAAAAAAAD/fwAA/38AAAAAAAAJAAAABAAAANw7IAEeAAAAaAAAAAAAAAAAAAAAAAAAAAAAAAAAAAAAECcAABAnAAAAAAAAAAAAAAAAAAAAAAAAAAAAAAAAAAAAAAAAAAAAABQAAAAAAAAAwMD/AAAAAABkAAAAMgAAAAAAAABkAAAAAAAAAH9/fwAKAAAAIgAAABgAAAAAAAAAAAAAAAAAAAAAAAAAAAAAAAAAAAAkAAAAJAAAAAAAAAAHAAAAAAAAAAAAAAAAAAAAAAAAAAAAAAAAAAAAf39/ACUAAABYAAAAAAAAAAAAAAAAAAAAAAAAAAAAAAAAAAAAAAAAAAAAAAAAAAAAAAAAAAAAAAA/AAAAAAAAAKCGAQAAAAAAAAAAAAAAAAAMAAAAAQAAAAAAAAAAAAAAAAAAAB8AAABUAAAAAAAABQAAAAEAAAAAAAAAAAAAAAAAAAAAAAAAAAAAAAAAAAAAAAAAAAAAAAJ/f38AAAAAA8zMzADAwP8Af39/AAAAAAAAAAAAAAAAAAAAAAAAAAAAIQAAABgAAAAUAAAAHSYAAGENAABARwAAsCUAABAAAAAmAAAACAAAAAGAAAAAAAAAMAAAABQAAAAAAAAAAAD//wAAAQAAAP//AAABAA=="/>
+                <pr:smNativeData xmlns:pr="smNativeData" xmlns="smNativeData" val="SMDATA_16_a8OGZxMAAAAlAAAAZAAAAA8BAAAAkAAAAEgAAACQAAAASAAAAAAAAAAAAAAAAAAAAAEAAABQAAAAAAAAAAAA4D8AAAAAAADgPwAAAAAAAOA/AAAAAAAA4D8AAAAAAADgPwAAAAAAAOA/AAAAAAAA4D8AAAAAAADgPwAAAAAAAOA/AAAAAAAA4D8CAAAAjAAAAAAAAAAAAAAAu+DjDP///wgAAAAAAAAAAAAAAAAAAAAAAAAAAAAAAAAAAAAAZAAAAAEAAABAAAAAAAAAAAAAAAAAAAAAAAAAAAAAAAAAAAAAAAAAAAAAAAAAAAAAAAAAAAAAAAAAAAAAAAAAAAAAAAAAAAAAAAAAAAAAAAAAAAAAAAAAAAAAAAAAAAAAFAAAADwAAAAAAAAAAAAAAAAAAAkUAAAAAQAAABQAAAAUAAAAFAAAAAEAAAAAAAAAZAAAAGQAAAAAAAAAZAAAAGQAAAAVAAAAYAAAAAAAAAAAAAAADwAAACADAAAAAAAAAAAAAAEAAACgMgAAVgcAAKr4//8BAAAAf39/AAEAAABkAAAAAAAAABQAAABAHwAAAAAAACYAAAAAAAAAwOD//wAAAAAmAAAAZAAAABYAAABMAAAAAAAAAAAAAAAEAAAAAAAAAAEAAACAgIAKAAAAACgAAAAoAAAAZAAAAGQAAAAAAAAAzMzMAAAAAABQAAAAUAAAAGQAAABkAAAAAAAAABcAAAAUAAAAAAAAAAAAAAD/fwAA/38AAAAAAAAJAAAABAAAANw7IAEeAAAAaAAAAAAAAAAAAAAAAAAAAAAAAAAAAAAAECcAABAnAAAAAAAAAAAAAAAAAAAAAAAAAAAAAAAAAAAAAAAAAAAAABQAAAAAAAAAwMD/AAAAAABkAAAAMgAAAAAAAABkAAAAAAAAAH9/fwAKAAAAIgAAABgAAAAAAAAAAAAAAAAAAAAAAAAAAAAAAAAAAAAkAAAAJAAAAAAAAAAHAAAAAAAAAAAAAAAAAAAAAAAAAAAAAAAAAAAAf39/ACUAAABYAAAAAAAAAAAAAAAAAAAAAAAAAAAAAAAAAAAAAAAAAAAAAAAAAAAAAAAAAAAAAAA/AAAAAAAAAKCGAQAAAAAAAAAAAAAAAAAMAAAAAQAAAAAAAAAAAAAAAAAAAB8AAABUAAAAAAAABQAAAAEAAAAAAAAAAAAAAAAAAAAAAAAAAAAAAAAAAAAAAAAAAAAAAAJ/f38AAAAAA8zMzADAwP8Af39/AAAAAAAAAAAAAAAAAAAAAAAAAAAAIQAAABgAAAAUAAAAHSYAAGENAABARwAAsCUAABAAAAAmAAAACAAAAAGAAAAAAAAAMAAAABQAAAAAAAAAAAD//wAAAQAAAP//AAABAA=="/>
               </a:ext>
             </a:extLst>
           </p:cNvSpPr>
@@ -1864,7 +1864,7 @@
             <a:spLocks noGrp="1" noChangeArrowheads="1"/>
             <a:extLst>
               <a:ext uri="smNativeData">
-                <pr:smNativeData xmlns:pr="smNativeData" xmlns="smNativeData" val="SMDATA_16_PryGZxMAAAAlAAAAZAAAAA8BAAAAkAAAAEgAAACQAAAASAAAAAAAAAABAAAAAAAAAAEAAABQAAAAAAAAAAAA4D8AAAAAAADgPwAAAAAAAOA/AAAAAAAA4D8AAAAAAADgPwAAAAAAAOA/AAAAAAAA4D8AAAAAAADgPwAAAAAAAOA/AAAAAAAA4D8CAAAAjAAAAAAAAAAAAAAAu+DjDP///wgAAAAAAAAAAAAAAAAAAAAAAAAAAAAAAAAAAAAAZAAAAAEAAABAAAAAAAAAAAAAAAAAAAAAAAAAAAAAAAAAAAAAAAAAAAAAAAAAAAAAAAAAAAAAAAAAAAAAAAAAAAAAAAAAAAAAAAAAAAAAAAAAAAAAAAAAAAAAAAAAAAAAFAAAADwAAAAAAAAAAAAAAAAAAAkUAAAAAQAAABQAAAAUAAAAFAAAAAEAAAAAAAAAZAAAAGQAAAAAAAAAZAAAAGQAAAAVAAAAYAAAAAAAAAAAAAAADwAAACADAAAAAAAAAAAAAAEAAACgMgAAVgcAAKr4//8BAAAAf39/AAEAAABkAAAAAAAAABQAAABAHwAAAAAAACYAAAAAAAAAwOD//wAAAAAmAAAAZAAAABYAAABMAAAAAAAAAAAAAAAEAAAAAAAAAAEAAACAgIAKAAAAACgAAAAoAAAAZAAAAGQAAAAAAAAAzMzMAAAAAABQAAAAUAAAAGQAAABkAAAAAAAAABcAAAAUAAAAAAAAAAAAAAD/fwAA/38AAAAAAAAJAAAABAAAANw7IAEeAAAAaAAAAAAAAAAAAAAAAAAAAAAAAAAAAAAAECcAABAnAAAAAAAAAAAAAAAAAAAAAAAAAAAAAAAAAAAAAAAAAAAAABQAAAAAAAAAwMD/AAAAAABkAAAAMgAAAAAAAABkAAAAAAAAAH9/fwAKAAAAIgAAABgAAAAAAAAAAAAAAAAAAAAAAAAAAAAAAAAAAAAkAAAAJAAAAAAAAAAHAAAAAAAAAAAAAAAAAAAAAAAAAAAAAAAAAAAAf39/ACUAAABYAAAAAAAAAAAAAAAAAAAAAAAAAAAAAAAAAAAAAAAAAAAAAAAAAAAAAAAAAAAAAAA/AAAAAAAAAKCGAQAAAAAAAAAAAAAAAAAMAAAAAQAAAAAAAAAAAAAAAAAAAB8AAABUAAAAAAAABQAAAAEAAAAAAAAAAAAAAAAAAAAAAAAAAAAAAAAAAAAAAAAAAAAAAAJ/f38AAAAAA8zMzADAwP8Af39/AAAAAAAAAAAAAAAAAAAAAAAAAAAAIQAAABgAAAAUAAAAwAMAABsnAAA/FQAAWSkAABAAAAAmAAAACAAAAAAAAAAAAAAAMAAAABQAAAAAAAAAAAD//wAAAQAAAP//AAABAA=="/>
+                <pr:smNativeData xmlns:pr="smNativeData" xmlns="smNativeData" val="SMDATA_16_a8OGZxMAAAAlAAAAZAAAAA8BAAAAkAAAAEgAAACQAAAASAAAAAAAAAABAAAAAAAAAAEAAABQAAAAAAAAAAAA4D8AAAAAAADgPwAAAAAAAOA/AAAAAAAA4D8AAAAAAADgPwAAAAAAAOA/AAAAAAAA4D8AAAAAAADgPwAAAAAAAOA/AAAAAAAA4D8CAAAAjAAAAAAAAAAAAAAAu+DjDP///wgAAAAAAAAAAAAAAAAAAAAAAAAAAAAAAAAAAAAAZAAAAAEAAABAAAAAAAAAAAAAAAAAAAAAAAAAAAAAAAAAAAAAAAAAAAAAAAAAAAAAAAAAAAAAAAAAAAAAAAAAAAAAAAAAAAAAAAAAAAAAAAAAAAAAAAAAAAAAAAAAAAAAFAAAADwAAAAAAAAAAAAAAAAAAAkUAAAAAQAAABQAAAAUAAAAFAAAAAEAAAAAAAAAZAAAAGQAAAAAAAAAZAAAAGQAAAAVAAAAYAAAAAAAAAAAAAAADwAAACADAAAAAAAAAAAAAAEAAACgMgAAVgcAAKr4//8BAAAAf39/AAEAAABkAAAAAAAAABQAAABAHwAAAAAAACYAAAAAAAAAwOD//wAAAAAmAAAAZAAAABYAAABMAAAAAAAAAAAAAAAEAAAAAAAAAAEAAACAgIAKAAAAACgAAAAoAAAAZAAAAGQAAAAAAAAAzMzMAAAAAABQAAAAUAAAAGQAAABkAAAAAAAAABcAAAAUAAAAAAAAAAAAAAD/fwAA/38AAAAAAAAJAAAABAAAANw7IAEeAAAAaAAAAAAAAAAAAAAAAAAAAAAAAAAAAAAAECcAABAnAAAAAAAAAAAAAAAAAAAAAAAAAAAAAAAAAAAAAAAAAAAAABQAAAAAAAAAwMD/AAAAAABkAAAAMgAAAAAAAABkAAAAAAAAAH9/fwAKAAAAIgAAABgAAAAAAAAAAAAAAAAAAAAAAAAAAAAAAAAAAAAkAAAAJAAAAAAAAAAHAAAAAAAAAAAAAAAAAAAAAAAAAAAAAAAAAAAAf39/ACUAAABYAAAAAAAAAAAAAAAAAAAAAAAAAAAAAAAAAAAAAAAAAAAAAAAAAAAAAAAAAAAAAAA/AAAAAAAAAKCGAQAAAAAAAAAAAAAAAAAMAAAAAQAAAAAAAAAAAAAAAAAAAB8AAABUAAAAAAAABQAAAAEAAAAAAAAAAAAAAAAAAAAAAAAAAAAAAAAAAAAAAAAAAAAAAAJ/f38AAAAAA8zMzADAwP8Af39/AAAAAAAAAAAAAAAAAAAAAAAAAAAAIQAAABgAAAAUAAAAwAMAABsnAAA/FQAAWSkAABAAAAAmAAAACAAAAAAAAAAAAAAAMAAAABQAAAAAAAAAAAD//wAAAQAAAP//AAABAA=="/>
               </a:ext>
             </a:extLst>
           </p:cNvSpPr>
@@ -1878,7 +1878,7 @@
           <a:lstStyle/>
           <a:p>
             <a:pPr/>
-            <a:fld id="{3D966934-7AD0-C39F-9E2E-8CCA276068D9}" type="datetime1">
+            <a:fld id="{3C72FEE2-ACD1-2708-9FCA-5A5DB084690F}" type="datetime1">
               <a:t/>
             </a:fld>
           </a:p>
@@ -1891,7 +1891,7 @@
             <a:spLocks noGrp="1" noChangeArrowheads="1"/>
             <a:extLst>
               <a:ext uri="smNativeData">
-                <pr:smNativeData xmlns:pr="smNativeData" xmlns="smNativeData" val="SMDATA_16_PryGZxMAAAAlAAAAZAAAAA8BAAAAkAAAAEgAAACQAAAASAAAAAAAAAABAAAAAAAAAAEAAABQAAAAAAAAAAAA4D8AAAAAAADgPwAAAAAAAOA/AAAAAAAA4D8AAAAAAADgPwAAAAAAAOA/AAAAAAAA4D8AAAAAAADgPwAAAAAAAOA/AAAAAAAA4D8CAAAAjAAAAAAAAAAAAAAAu+DjDP///wgAAAAAAAAAAAAAAAAAAAAAAAAAAAAAAAAAAAAAZAAAAAEAAABAAAAAAAAAAAAAAAAAAAAAAAAAAAAAAAAAAAAAAAAAAAAAAAAAAAAAAAAAAAAAAAAAAAAAAAAAAAAAAAAAAAAAAAAAAAAAAAAAAAAAAAAAAAAAAAAAAAAAFAAAADwAAAAAAAAAAAAAAAAAAAkUAAAAAQAAABQAAAAUAAAAFAAAAAEAAAAAAAAAZAAAAGQAAAAAAAAAZAAAAGQAAAAVAAAAYAAAAAAAAAAAAAAADwAAACADAAAAAAAAAAAAAAEAAACgMgAAVgcAAKr4//8BAAAAf39/AAEAAABkAAAAAAAAABQAAABAHwAAAAAAACYAAAAAAAAAwOD//wAAAAAmAAAAZAAAABYAAABMAAAAAAAAAAAAAAAEAAAAAAAAAAEAAACAgIAKAAAAACgAAAAoAAAAZAAAAGQAAAAAAAAAzMzMAAAAAABQAAAAUAAAAGQAAABkAAAAAAAAABcAAAAUAAAAAAAAAAAAAAD/fwAA/38AAAAAAAAJAAAABAAAANw7IAEeAAAAaAAAAAAAAAAAAAAAAAAAAAAAAAAAAAAAECcAABAnAAAAAAAAAAAAAAAAAAAAAAAAAAAAAAAAAAAAAAAAAAAAABQAAAAAAAAAwMD/AAAAAABkAAAAMgAAAAAAAABkAAAAAAAAAH9/fwAKAAAAIgAAABgAAAAAAAAAAAAAAAAAAAAAAAAAAAAAAAAAAAAkAAAAJAAAAAAAAAAHAAAAAAAAAAAAAAAAAAAAAAAAAAAAAAAAAAAAf39/ACUAAABYAAAAAAAAAAAAAAAAAAAAAAAAAAAAAAAAAAAAAAAAAAAAAAAAAAAAAAAAAAAAAAA/AAAAAAAAAKCGAQAAAAAAAAAAAAAAAAAMAAAAAQAAAAAAAAAAAAAAAAAAAB8AAABUAAAAAAAABQAAAAEAAAAAAAAAAAAAAAAAAAAAAAAAAAAAAAAAAAAAAAAAAAAAAAJ/f38AAAAAA8zMzADAwP8Af39/AAAAAAAAAAAAAAAAAAAAAAAAAAAAIQAAABgAAAAUAAAAoRkAABsnAABfMQAAWSkAABAAAAAmAAAACAAAAAAAAAAAAAAAMAAAABQAAAAAAAAAAAD//wAAAQAAAP//AAABAA=="/>
+                <pr:smNativeData xmlns:pr="smNativeData" xmlns="smNativeData" val="SMDATA_16_a8OGZxMAAAAlAAAAZAAAAA8BAAAAkAAAAEgAAACQAAAASAAAAAAAAAABAAAAAAAAAAEAAABQAAAAAAAAAAAA4D8AAAAAAADgPwAAAAAAAOA/AAAAAAAA4D8AAAAAAADgPwAAAAAAAOA/AAAAAAAA4D8AAAAAAADgPwAAAAAAAOA/AAAAAAAA4D8CAAAAjAAAAAAAAAAAAAAAu+DjDP///wgAAAAAAAAAAAAAAAAAAAAAAAAAAAAAAAAAAAAAZAAAAAEAAABAAAAAAAAAAAAAAAAAAAAAAAAAAAAAAAAAAAAAAAAAAAAAAAAAAAAAAAAAAAAAAAAAAAAAAAAAAAAAAAAAAAAAAAAAAAAAAAAAAAAAAAAAAAAAAAAAAAAAFAAAADwAAAAAAAAAAAAAAAAAAAkUAAAAAQAAABQAAAAUAAAAFAAAAAEAAAAAAAAAZAAAAGQAAAAAAAAAZAAAAGQAAAAVAAAAYAAAAAAAAAAAAAAADwAAACADAAAAAAAAAAAAAAEAAACgMgAAVgcAAKr4//8BAAAAf39/AAEAAABkAAAAAAAAABQAAABAHwAAAAAAACYAAAAAAAAAwOD//wAAAAAmAAAAZAAAABYAAABMAAAAAAAAAAAAAAAEAAAAAAAAAAEAAACAgIAKAAAAACgAAAAoAAAAZAAAAGQAAAAAAAAAzMzMAAAAAABQAAAAUAAAAGQAAABkAAAAAAAAABcAAAAUAAAAAAAAAAAAAAD/fwAA/38AAAAAAAAJAAAABAAAANw7IAEeAAAAaAAAAAAAAAAAAAAAAAAAAAAAAAAAAAAAECcAABAnAAAAAAAAAAAAAAAAAAAAAAAAAAAAAAAAAAAAAAAAAAAAABQAAAAAAAAAwMD/AAAAAABkAAAAMgAAAAAAAABkAAAAAAAAAH9/fwAKAAAAIgAAABgAAAAAAAAAAAAAAAAAAAAAAAAAAAAAAAAAAAAkAAAAJAAAAAAAAAAHAAAAAAAAAAAAAAAAAAAAAAAAAAAAAAAAAAAAf39/ACUAAABYAAAAAAAAAAAAAAAAAAAAAAAAAAAAAAAAAAAAAAAAAAAAAAAAAAAAAAAAAAAAAAA/AAAAAAAAAKCGAQAAAAAAAAAAAAAAAAAMAAAAAQAAAAAAAAAAAAAAAAAAAB8AAABUAAAAAAAABQAAAAEAAAAAAAAAAAAAAAAAAAAAAAAAAAAAAAAAAAAAAAAAAAAAAAJ/f38AAAAAA8zMzADAwP8Af39/AAAAAAAAAAAAAAAAAAAAAAAAAAAAIQAAABgAAAAUAAAAoRkAABsnAABfMQAAWSkAABAAAAAmAAAACAAAAAAAAAAAAAAAMAAAABQAAAAAAAAAAAD//wAAAQAAAP//AAABAA=="/>
               </a:ext>
             </a:extLst>
           </p:cNvSpPr>
@@ -1915,7 +1915,7 @@
             <a:spLocks noGrp="1" noChangeArrowheads="1"/>
             <a:extLst>
               <a:ext uri="smNativeData">
-                <pr:smNativeData xmlns:pr="smNativeData" xmlns="smNativeData" val="SMDATA_16_PryGZxMAAAAlAAAAZAAAAA8BAAAAkAAAAEgAAACQAAAASAAAAAAAAAABAAAAAAAAAAEAAABQAAAAAAAAAAAA4D8AAAAAAADgPwAAAAAAAOA/AAAAAAAA4D8AAAAAAADgPwAAAAAAAOA/AAAAAAAA4D8AAAAAAADgPwAAAAAAAOA/AAAAAAAA4D8CAAAAjAAAAAAAAAAAAAAAu+DjDP///wgAAAAAAAAAAAAAAAAAAAAAAAAAAAAAAAAAAAAAZAAAAAEAAABAAAAAAAAAAAAAAAAAAAAAAAAAAAAAAAAAAAAAAAAAAAAAAAAAAAAAAAAAAAAAAAAAAAAAAAAAAAAAAAAAAAAAAAAAAAAAAAAAAAAAAAAAAAAAAAAAAAAAFAAAADwAAAAAAAAAAAAAAAAAAAkUAAAAAQAAABQAAAAUAAAAFAAAAAEAAAAAAAAAZAAAAGQAAAAAAAAAZAAAAGQAAAAVAAAAYAAAAAAAAAAAAAAADwAAACADAAAAAAAAAAAAAAEAAACgMgAAVgcAAKr4//8BAAAAf39/AAEAAABkAAAAAAAAABQAAABAHwAAAAAAACYAAAAAAAAAwOD//wAAAAAmAAAAZAAAABYAAABMAAAAAAAAAAAAAAAEAAAAAAAAAAEAAACAgIAKAAAAACgAAAAoAAAAZAAAAGQAAAAAAAAAzMzMAAAAAABQAAAAUAAAAGQAAABkAAAAAAAAABcAAAAUAAAAAAAAAAAAAAD/fwAA/38AAAAAAAAJAAAABAAAANw7IAEeAAAAaAAAAAAAAAAAAAAAAAAAAAAAAAAAAAAAECcAABAnAAAAAAAAAAAAAAAAAAAAAAAAAAAAAAAAAAAAAAAAAAAAABQAAAAAAAAAwMD/AAAAAABkAAAAMgAAAAAAAABkAAAAAAAAAH9/fwAKAAAAIgAAABgAAAAAAAAAAAAAAAAAAAAAAAAAAAAAAAAAAAAkAAAAJAAAAAAAAAAHAAAAAAAAAAAAAAAAAAAAAAAAAAAAAAAAAAAAf39/ACUAAABYAAAAAAAAAAAAAAAAAAAAAAAAAAAAAAAAAAAAAAAAAAAAAAAAAAAAAAAAAAAAAAA/AAAAAAAAAKCGAQAAAAAAAAAAAAAAAAAMAAAAAQAAAAAAAAAAAAAAAAAAAB8AAABUAAAAAAAABQAAAAEAAAAAAAAAAAAAAAAAAAAAAAAAAAAAAAAAAAAAAAAAAAAAAAJ/f38AAAAAA8zMzADAwP8Af39/AAAAAAAAAAAAAAAAAAAAAAAAAAAAIQAAABgAAAAUAAAAwTUAABsnAABARwAAWSkAABAAAAAmAAAACAAAAAAAAAAAAAAAMAAAABQAAAAAAAAAAAD//wAAAQAAAP//AAABAA=="/>
+                <pr:smNativeData xmlns:pr="smNativeData" xmlns="smNativeData" val="SMDATA_16_a8OGZxMAAAAlAAAAZAAAAA8BAAAAkAAAAEgAAACQAAAASAAAAAAAAAABAAAAAAAAAAEAAABQAAAAAAAAAAAA4D8AAAAAAADgPwAAAAAAAOA/AAAAAAAA4D8AAAAAAADgPwAAAAAAAOA/AAAAAAAA4D8AAAAAAADgPwAAAAAAAOA/AAAAAAAA4D8CAAAAjAAAAAAAAAAAAAAAu+DjDP///wgAAAAAAAAAAAAAAAAAAAAAAAAAAAAAAAAAAAAAZAAAAAEAAABAAAAAAAAAAAAAAAAAAAAAAAAAAAAAAAAAAAAAAAAAAAAAAAAAAAAAAAAAAAAAAAAAAAAAAAAAAAAAAAAAAAAAAAAAAAAAAAAAAAAAAAAAAAAAAAAAAAAAFAAAADwAAAAAAAAAAAAAAAAAAAkUAAAAAQAAABQAAAAUAAAAFAAAAAEAAAAAAAAAZAAAAGQAAAAAAAAAZAAAAGQAAAAVAAAAYAAAAAAAAAAAAAAADwAAACADAAAAAAAAAAAAAAEAAACgMgAAVgcAAKr4//8BAAAAf39/AAEAAABkAAAAAAAAABQAAABAHwAAAAAAACYAAAAAAAAAwOD//wAAAAAmAAAAZAAAABYAAABMAAAAAAAAAAAAAAAEAAAAAAAAAAEAAACAgIAKAAAAACgAAAAoAAAAZAAAAGQAAAAAAAAAzMzMAAAAAABQAAAAUAAAAGQAAABkAAAAAAAAABcAAAAUAAAAAAAAAAAAAAD/fwAA/38AAAAAAAAJAAAABAAAANw7IAEeAAAAaAAAAAAAAAAAAAAAAAAAAAAAAAAAAAAAECcAABAnAAAAAAAAAAAAAAAAAAAAAAAAAAAAAAAAAAAAAAAAAAAAABQAAAAAAAAAwMD/AAAAAABkAAAAMgAAAAAAAABkAAAAAAAAAH9/fwAKAAAAIgAAABgAAAAAAAAAAAAAAAAAAAAAAAAAAAAAAAAAAAAkAAAAJAAAAAAAAAAHAAAAAAAAAAAAAAAAAAAAAAAAAAAAAAAAAAAAf39/ACUAAABYAAAAAAAAAAAAAAAAAAAAAAAAAAAAAAAAAAAAAAAAAAAAAAAAAAAAAAAAAAAAAAA/AAAAAAAAAKCGAQAAAAAAAAAAAAAAAAAMAAAAAQAAAAAAAAAAAAAAAAAAAB8AAABUAAAAAAAABQAAAAEAAAAAAAAAAAAAAAAAAAAAAAAAAAAAAAAAAAAAAAAAAAAAAAJ/f38AAAAAA8zMzADAwP8Af39/AAAAAAAAAAAAAAAAAAAAAAAAAAAAIQAAABgAAAAUAAAAwTUAABsnAABARwAAWSkAABAAAAAmAAAACAAAAAAAAAAAAAAAMAAAABQAAAAAAAAAAAD//wAAAQAAAP//AAABAA=="/>
               </a:ext>
             </a:extLst>
           </p:cNvSpPr>
@@ -1929,7 +1929,7 @@
           <a:lstStyle/>
           <a:p>
             <a:pPr/>
-            <a:fld id="{3D967495-DBD0-C382-9E2E-2DD73A606878}" type="slidenum">
+            <a:fld id="{3C72D83E-70D1-272E-9FCA-867B968469D3}" type="slidenum">
               <a:t/>
             </a:fld>
           </a:p>
@@ -1968,7 +1968,7 @@
             <a:spLocks noGrp="1" noChangeArrowheads="1"/>
             <a:extLst>
               <a:ext uri="smNativeData">
-                <pr:smNativeData xmlns:pr="smNativeData" xmlns="smNativeData" val="SMDATA_16_PryGZxMAAAAlAAAAZAAAAA8BAAAAkAAAAEgAAACQAAAASAAAAAAAAAABAAAAAAAAAAEAAABQAAAAAAAAAAAA4D8AAAAAAADgPwAAAAAAAOA/AAAAAAAA4D8AAAAAAADgPwAAAAAAAOA/AAAAAAAA4D8AAAAAAADgPwAAAAAAAOA/AAAAAAAA4D8CAAAAjAAAAAAAAAAAAAAAu+DjDP///wgAAAAAAAAAAAAAAAAAAAAAAAAAAAAAAAAAAAAAZAAAAAEAAABAAAAAAAAAAAAAAAAAAAAAAAAAAAAAAAAAAAAAAAAAAAAAAAAAAAAAAAAAAAAAAAAAAAAAAAAAAAAAAAAAAAAAAAAAAAAAAAAAAAAAAAAAAAAAAAAAAAAAFAAAADwAAAAAAAAAAAAAAAAAAAkUAAAAAQAAABQAAAAUAAAAFAAAAAEAAAAAAAAAZAAAAGQAAAAAAAAAZAAAAGQAAAAVAAAAYAAAAAAAAAAAAAAADwAAACADAAAAAAAAAAAAAAEAAACgMgAAVgcAAKr4//8BAAAAf39/AAEAAABkAAAAAAAAABQAAABAHwAAAAAAACYAAAAAAAAAwOD//wAAAAAmAAAAZAAAABYAAABMAAAAAAAAAAAAAAAEAAAAAAAAAAEAAACAgIAKAAAAACgAAAAoAAAAZAAAAGQAAAAAAAAAzMzMAAAAAABQAAAAUAAAAGQAAABkAAAAAAAAABcAAAAUAAAAAAAAAAAAAAD/fwAA/38AAAAAAAAJAAAABAAAANw7IAEeAAAAaAAAAAAAAAAAAAAAAAAAAAAAAAAAAAAAECcAABAnAAAAAAAAAAAAAAAAAAAAAAAAAAAAAAAAAAAAAAAAAAAAABQAAAAAAAAAwMD/AAAAAABkAAAAMgAAAAAAAABkAAAAAAAAAH9/fwAKAAAAIgAAABgAAAAAAAAAAAAAAAAAAAAAAAAAAAAAAAAAAAAkAAAAJAAAAAAAAAAHAAAAAAAAAAAAAAAAAAAAAAAAAAAAAAAAAAAAf39/ACUAAABYAAAAAAAAAAAAAAAAAAAAAAAAAAAAAAAAAAAAAAAAAAAAAAAAAAAAAAAAAAAAAAA/AAAAAAAAAKCGAQAAAAAAAAAAAAAAAAAMAAAAAQAAAAAAAAAAAAAAAAAAAB8AAABUAAAAAAAABQAAAAEAAAAAAAAAAAAAAAAAAAAAAAAAAAAAAAAAAAAAAAAAAAAAAAJ/f38AAAAAA8zMzADAwP8Af39/AAAAAAAAAAAAAAAAAAAAAAAAAAAAIQAAABgAAAAUAAAAwAMAALABAABARwAAuAgAABAAAAAmAAAACAAAAAAAAAAAAAAAMAAAABQAAAAAAAAAAAD//wAAAQAAAP//AAABAA=="/>
+                <pr:smNativeData xmlns:pr="smNativeData" xmlns="smNativeData" val="SMDATA_16_a8OGZxMAAAAlAAAAZAAAAA8BAAAAkAAAAEgAAACQAAAASAAAAAAAAAABAAAAAAAAAAEAAABQAAAAAAAAAAAA4D8AAAAAAADgPwAAAAAAAOA/AAAAAAAA4D8AAAAAAADgPwAAAAAAAOA/AAAAAAAA4D8AAAAAAADgPwAAAAAAAOA/AAAAAAAA4D8CAAAAjAAAAAAAAAAAAAAAu+DjDP///wgAAAAAAAAAAAAAAAAAAAAAAAAAAAAAAAAAAAAAZAAAAAEAAABAAAAAAAAAAAAAAAAAAAAAAAAAAAAAAAAAAAAAAAAAAAAAAAAAAAAAAAAAAAAAAAAAAAAAAAAAAAAAAAAAAAAAAAAAAAAAAAAAAAAAAAAAAAAAAAAAAAAAFAAAADwAAAAAAAAAAAAAAAAAAAkUAAAAAQAAABQAAAAUAAAAFAAAAAEAAAAAAAAAZAAAAGQAAAAAAAAAZAAAAGQAAAAVAAAAYAAAAAAAAAAAAAAADwAAACADAAAAAAAAAAAAAAEAAACgMgAAVgcAAKr4//8BAAAAf39/AAEAAABkAAAAAAAAABQAAABAHwAAAAAAACYAAAAAAAAAwOD//wAAAAAmAAAAZAAAABYAAABMAAAAAAAAAAAAAAAEAAAAAAAAAAEAAACAgIAKAAAAACgAAAAoAAAAZAAAAGQAAAAAAAAAzMzMAAAAAABQAAAAUAAAAGQAAABkAAAAAAAAABcAAAAUAAAAAAAAAAAAAAD/fwAA/38AAAAAAAAJAAAABAAAANw7IAEeAAAAaAAAAAAAAAAAAAAAAAAAAAAAAAAAAAAAECcAABAnAAAAAAAAAAAAAAAAAAAAAAAAAAAAAAAAAAAAAAAAAAAAABQAAAAAAAAAwMD/AAAAAABkAAAAMgAAAAAAAABkAAAAAAAAAH9/fwAKAAAAIgAAABgAAAAAAAAAAAAAAAAAAAAAAAAAAAAAAAAAAAAkAAAAJAAAAAAAAAAHAAAAAAAAAAAAAAAAAAAAAAAAAAAAAAAAAAAAf39/ACUAAABYAAAAAAAAAAAAAAAAAAAAAAAAAAAAAAAAAAAAAAAAAAAAAAAAAAAAAAAAAAAAAAA/AAAAAAAAAKCGAQAAAAAAAAAAAAAAAAAMAAAAAQAAAAAAAAAAAAAAAAAAAB8AAABUAAAAAAAABQAAAAEAAAAAAAAAAAAAAAAAAAAAAAAAAAAAAAAAAAAAAAAAAAAAAAJ/f38AAAAAA8zMzADAwP8Af39/AAAAAAAAAAAAAAAAAAAAAAAAAAAAIQAAABgAAAAUAAAAwAMAALABAABARwAAuAgAABAAAAAmAAAACAAAAAAAAAAAAAAAMAAAABQAAAAAAAAAAAD//wAAAQAAAP//AAABAA=="/>
               </a:ext>
             </a:extLst>
           </p:cNvSpPr>
@@ -1995,7 +1995,7 @@
             <a:spLocks noGrp="1" noChangeArrowheads="1"/>
             <a:extLst>
               <a:ext uri="smNativeData">
-                <pr:smNativeData xmlns:pr="smNativeData" xmlns="smNativeData" val="SMDATA_16_PryGZxMAAAAlAAAAZAAAAA8BAAAAkAAAAEgAAACQAAAASAAAAAAAAAABAAAAAAAAAAEAAABQAAAAAAAAAAAA4D8AAAAAAADgPwAAAAAAAOA/AAAAAAAA4D8AAAAAAADgPwAAAAAAAOA/AAAAAAAA4D8AAAAAAADgPwAAAAAAAOA/AAAAAAAA4D8CAAAAjAAAAAAAAAAAAAAAu+DjDP///wgAAAAAAAAAAAAAAAAAAAAAAAAAAAAAAAAAAAAAZAAAAAEAAABAAAAAAAAAAAAAAAAAAAAAAAAAAAAAAAAAAAAAAAAAAAAAAAAAAAAAAAAAAAAAAAAAAAAAAAAAAAAAAAAAAAAAAAAAAAAAAAAAAAAAAAAAAAAAAAAAAAAAFAAAADwAAAAAAAAAAAAAAAAAAAkUAAAAAQAAABQAAAAUAAAAFAAAAAEAAAAAAAAAZAAAAGQAAAAAAAAAZAAAAGQAAAAVAAAAYAAAAAAAAAAAAAAADwAAACADAAAAAAAAAAAAAAEAAACgMgAAVgcAAKr4//8BAAAAf39/AAEAAABkAAAAAAAAABQAAABAHwAAAAAAACYAAAAAAAAAwOD//wAAAAAmAAAAZAAAABYAAABMAAAAAAAAAAAAAAAEAAAAAAAAAAEAAACAgIAKAAAAACgAAAAoAAAAZAAAAGQAAAAAAAAAzMzMAAAAAABQAAAAUAAAAGQAAABkAAAAAAAAABcAAAAUAAAAAAAAAAAAAAD/fwAA/38AAAAAAAAJAAAABAAAANw7IAEeAAAAaAAAAAAAAAAAAAAAAAAAAAAAAAAAAAAAECcAABAnAAAAAAAAAAAAAAAAAAAAAAAAAAAAAAAAAAAAAAAAAAAAABQAAAAAAAAAwMD/AAAAAABkAAAAMgAAAAAAAABkAAAAAAAAAH9/fwAKAAAAIgAAABgAAAAAAAAAAAAAAAAAAAAAAAAAAAAAAAAAAAAkAAAAJAAAAAAAAAAHAAAAAAAAAAAAAAAAAAAAAAAAAAAAAAAAAAAAf39/ACUAAABYAAAAAAAAAAAAAAAAAAAAAAAAAAAAAAAAAAAAAAAAAAAAAAAAAAAAAAAAAAAAAAA/AAAAAAAAAKCGAQAAAAAAAAAAAAAAAAAMAAAAAQAAAAAAAAAAAAAAAAAAAB8AAABUAAAAAAAABQAAAAEAAAAAAAAAAAAAAAAAAAAAAAAAAAAAAAAAAAAAAAAAAAAAAAJ/f38AAAAAA8zMzADAwP8Af39/AAAAAAAAAAAAAAAAAAAAAAAAAAAAIQAAABgAAAAUAAAAwAMAABsnAAA/FQAAWSkAABAAAAAmAAAACAAAAAAAAAAAAAAAMAAAABQAAAAAAAAAAAD//wAAAQAAAP//AAABAA=="/>
+                <pr:smNativeData xmlns:pr="smNativeData" xmlns="smNativeData" val="SMDATA_16_a8OGZxMAAAAlAAAAZAAAAA8BAAAAkAAAAEgAAACQAAAASAAAAAAAAAABAAAAAAAAAAEAAABQAAAAAAAAAAAA4D8AAAAAAADgPwAAAAAAAOA/AAAAAAAA4D8AAAAAAADgPwAAAAAAAOA/AAAAAAAA4D8AAAAAAADgPwAAAAAAAOA/AAAAAAAA4D8CAAAAjAAAAAAAAAAAAAAAu+DjDP///wgAAAAAAAAAAAAAAAAAAAAAAAAAAAAAAAAAAAAAZAAAAAEAAABAAAAAAAAAAAAAAAAAAAAAAAAAAAAAAAAAAAAAAAAAAAAAAAAAAAAAAAAAAAAAAAAAAAAAAAAAAAAAAAAAAAAAAAAAAAAAAAAAAAAAAAAAAAAAAAAAAAAAFAAAADwAAAAAAAAAAAAAAAAAAAkUAAAAAQAAABQAAAAUAAAAFAAAAAEAAAAAAAAAZAAAAGQAAAAAAAAAZAAAAGQAAAAVAAAAYAAAAAAAAAAAAAAADwAAACADAAAAAAAAAAAAAAEAAACgMgAAVgcAAKr4//8BAAAAf39/AAEAAABkAAAAAAAAABQAAABAHwAAAAAAACYAAAAAAAAAwOD//wAAAAAmAAAAZAAAABYAAABMAAAAAAAAAAAAAAAEAAAAAAAAAAEAAACAgIAKAAAAACgAAAAoAAAAZAAAAGQAAAAAAAAAzMzMAAAAAABQAAAAUAAAAGQAAABkAAAAAAAAABcAAAAUAAAAAAAAAAAAAAD/fwAA/38AAAAAAAAJAAAABAAAANw7IAEeAAAAaAAAAAAAAAAAAAAAAAAAAAAAAAAAAAAAECcAABAnAAAAAAAAAAAAAAAAAAAAAAAAAAAAAAAAAAAAAAAAAAAAABQAAAAAAAAAwMD/AAAAAABkAAAAMgAAAAAAAABkAAAAAAAAAH9/fwAKAAAAIgAAABgAAAAAAAAAAAAAAAAAAAAAAAAAAAAAAAAAAAAkAAAAJAAAAAAAAAAHAAAAAAAAAAAAAAAAAAAAAAAAAAAAAAAAAAAAf39/ACUAAABYAAAAAAAAAAAAAAAAAAAAAAAAAAAAAAAAAAAAAAAAAAAAAAAAAAAAAAAAAAAAAAA/AAAAAAAAAKCGAQAAAAAAAAAAAAAAAAAMAAAAAQAAAAAAAAAAAAAAAAAAAB8AAABUAAAAAAAABQAAAAEAAAAAAAAAAAAAAAAAAAAAAAAAAAAAAAAAAAAAAAAAAAAAAAJ/f38AAAAAA8zMzADAwP8Af39/AAAAAAAAAAAAAAAAAAAAAAAAAAAAIQAAABgAAAAUAAAAwAMAABsnAAA/FQAAWSkAABAAAAAmAAAACAAAAAAAAAAAAAAAMAAAABQAAAAAAAAAAAD//wAAAQAAAP//AAABAA=="/>
               </a:ext>
             </a:extLst>
           </p:cNvSpPr>
@@ -2009,7 +2009,7 @@
           <a:lstStyle/>
           <a:p>
             <a:pPr/>
-            <a:fld id="{3D9667EA-A4D0-C391-9E2E-52C429606807}" type="datetime1">
+            <a:fld id="{3C72B604-4AD1-2740-9FCA-BC15F88469E9}" type="datetime1">
               <a:t/>
             </a:fld>
           </a:p>
@@ -2022,7 +2022,7 @@
             <a:spLocks noGrp="1" noChangeArrowheads="1"/>
             <a:extLst>
               <a:ext uri="smNativeData">
-                <pr:smNativeData xmlns:pr="smNativeData" xmlns="smNativeData" val="SMDATA_16_PryGZxMAAAAlAAAAZAAAAA8BAAAAkAAAAEgAAACQAAAASAAAAAAAAAABAAAAAAAAAAEAAABQAAAAAAAAAAAA4D8AAAAAAADgPwAAAAAAAOA/AAAAAAAA4D8AAAAAAADgPwAAAAAAAOA/AAAAAAAA4D8AAAAAAADgPwAAAAAAAOA/AAAAAAAA4D8CAAAAjAAAAAAAAAAAAAAAu+DjDP///wgAAAAAAAAAAAAAAAAAAAAAAAAAAAAAAAAAAAAAZAAAAAEAAABAAAAAAAAAAAAAAAAAAAAAAAAAAAAAAAAAAAAAAAAAAAAAAAAAAAAAAAAAAAAAAAAAAAAAAAAAAAAAAAAAAAAAAAAAAAAAAAAAAAAAAAAAAAAAAAAAAAAAFAAAADwAAAAAAAAAAAAAAAAAAAkUAAAAAQAAABQAAAAUAAAAFAAAAAEAAAAAAAAAZAAAAGQAAAAAAAAAZAAAAGQAAAAVAAAAYAAAAAAAAAAAAAAADwAAACADAAAAAAAAAAAAAAEAAACgMgAAVgcAAKr4//8BAAAAf39/AAEAAABkAAAAAAAAABQAAABAHwAAAAAAACYAAAAAAAAAwOD//wAAAAAmAAAAZAAAABYAAABMAAAAAAAAAAAAAAAEAAAAAAAAAAEAAACAgIAKAAAAACgAAAAoAAAAZAAAAGQAAAAAAAAAzMzMAAAAAABQAAAAUAAAAGQAAABkAAAAAAAAABcAAAAUAAAAAAAAAAAAAAD/fwAA/38AAAAAAAAJAAAABAAAANw7IAEeAAAAaAAAAAAAAAAAAAAAAAAAAAAAAAAAAAAAECcAABAnAAAAAAAAAAAAAAAAAAAAAAAAAAAAAAAAAAAAAAAAAAAAABQAAAAAAAAAwMD/AAAAAABkAAAAMgAAAAAAAABkAAAAAAAAAH9/fwAKAAAAIgAAABgAAAAAAAAAAAAAAAAAAAAAAAAAAAAAAAAAAAAkAAAAJAAAAAAAAAAHAAAAAAAAAAAAAAAAAAAAAAAAAAAAAAAAAAAAf39/ACUAAABYAAAAAAAAAAAAAAAAAAAAAAAAAAAAAAAAAAAAAAAAAAAAAAAAAAAAAAAAAAAAAAA/AAAAAAAAAKCGAQAAAAAAAAAAAAAAAAAMAAAAAQAAAAAAAAAAAAAAAAAAAB8AAABUAAAAAAAABQAAAAEAAAAAAAAAAAAAAAAAAAAAAAAAAAAAAAAAAAAAAAAAAAAAAAJ/f38AAAAAA8zMzADAwP8Af39/AAAAAAAAAAAAAAAAAAAAAAAAAAAAIQAAABgAAAAUAAAAoRkAABsnAABfMQAAWSkAABAAAAAmAAAACAAAAAAAAAAAAAAAMAAAABQAAAAAAAAAAAD//wAAAQAAAP//AAABAA=="/>
+                <pr:smNativeData xmlns:pr="smNativeData" xmlns="smNativeData" val="SMDATA_16_a8OGZxMAAAAlAAAAZAAAAA8BAAAAkAAAAEgAAACQAAAASAAAAAAAAAABAAAAAAAAAAEAAABQAAAAAAAAAAAA4D8AAAAAAADgPwAAAAAAAOA/AAAAAAAA4D8AAAAAAADgPwAAAAAAAOA/AAAAAAAA4D8AAAAAAADgPwAAAAAAAOA/AAAAAAAA4D8CAAAAjAAAAAAAAAAAAAAAu+DjDP///wgAAAAAAAAAAAAAAAAAAAAAAAAAAAAAAAAAAAAAZAAAAAEAAABAAAAAAAAAAAAAAAAAAAAAAAAAAAAAAAAAAAAAAAAAAAAAAAAAAAAAAAAAAAAAAAAAAAAAAAAAAAAAAAAAAAAAAAAAAAAAAAAAAAAAAAAAAAAAAAAAAAAAFAAAADwAAAAAAAAAAAAAAAAAAAkUAAAAAQAAABQAAAAUAAAAFAAAAAEAAAAAAAAAZAAAAGQAAAAAAAAAZAAAAGQAAAAVAAAAYAAAAAAAAAAAAAAADwAAACADAAAAAAAAAAAAAAEAAACgMgAAVgcAAKr4//8BAAAAf39/AAEAAABkAAAAAAAAABQAAABAHwAAAAAAACYAAAAAAAAAwOD//wAAAAAmAAAAZAAAABYAAABMAAAAAAAAAAAAAAAEAAAAAAAAAAEAAACAgIAKAAAAACgAAAAoAAAAZAAAAGQAAAAAAAAAzMzMAAAAAABQAAAAUAAAAGQAAABkAAAAAAAAABcAAAAUAAAAAAAAAAAAAAD/fwAA/38AAAAAAAAJAAAABAAAANw7IAEeAAAAaAAAAAAAAAAAAAAAAAAAAAAAAAAAAAAAECcAABAnAAAAAAAAAAAAAAAAAAAAAAAAAAAAAAAAAAAAAAAAAAAAABQAAAAAAAAAwMD/AAAAAABkAAAAMgAAAAAAAABkAAAAAAAAAH9/fwAKAAAAIgAAABgAAAAAAAAAAAAAAAAAAAAAAAAAAAAAAAAAAAAkAAAAJAAAAAAAAAAHAAAAAAAAAAAAAAAAAAAAAAAAAAAAAAAAAAAAf39/ACUAAABYAAAAAAAAAAAAAAAAAAAAAAAAAAAAAAAAAAAAAAAAAAAAAAAAAAAAAAAAAAAAAAA/AAAAAAAAAKCGAQAAAAAAAAAAAAAAAAAMAAAAAQAAAAAAAAAAAAAAAAAAAB8AAABUAAAAAAAABQAAAAEAAAAAAAAAAAAAAAAAAAAAAAAAAAAAAAAAAAAAAAAAAAAAAAJ/f38AAAAAA8zMzADAwP8Af39/AAAAAAAAAAAAAAAAAAAAAAAAAAAAIQAAABgAAAAUAAAAoRkAABsnAABfMQAAWSkAABAAAAAmAAAACAAAAAAAAAAAAAAAMAAAABQAAAAAAAAAAAD//wAAAQAAAP//AAABAA=="/>
               </a:ext>
             </a:extLst>
           </p:cNvSpPr>
@@ -2046,7 +2046,7 @@
             <a:spLocks noGrp="1" noChangeArrowheads="1"/>
             <a:extLst>
               <a:ext uri="smNativeData">
-                <pr:smNativeData xmlns:pr="smNativeData" xmlns="smNativeData" val="SMDATA_16_PryGZxMAAAAlAAAAZAAAAA8BAAAAkAAAAEgAAACQAAAASAAAAAAAAAABAAAAAAAAAAEAAABQAAAAAAAAAAAA4D8AAAAAAADgPwAAAAAAAOA/AAAAAAAA4D8AAAAAAADgPwAAAAAAAOA/AAAAAAAA4D8AAAAAAADgPwAAAAAAAOA/AAAAAAAA4D8CAAAAjAAAAAAAAAAAAAAAu+DjDP///wgAAAAAAAAAAAAAAAAAAAAAAAAAAAAAAAAAAAAAZAAAAAEAAABAAAAAAAAAAAAAAAAAAAAAAAAAAAAAAAAAAAAAAAAAAAAAAAAAAAAAAAAAAAAAAAAAAAAAAAAAAAAAAAAAAAAAAAAAAAAAAAAAAAAAAAAAAAAAAAAAAAAAFAAAADwAAAAAAAAAAAAAAAAAAAkUAAAAAQAAABQAAAAUAAAAFAAAAAEAAAAAAAAAZAAAAGQAAAAAAAAAZAAAAGQAAAAVAAAAYAAAAAAAAAAAAAAADwAAACADAAAAAAAAAAAAAAEAAACgMgAAVgcAAKr4//8BAAAAf39/AAEAAABkAAAAAAAAABQAAABAHwAAAAAAACYAAAAAAAAAwOD//wAAAAAmAAAAZAAAABYAAABMAAAAAAAAAAAAAAAEAAAAAAAAAAEAAACAgIAKAAAAACgAAAAoAAAAZAAAAGQAAAAAAAAAzMzMAAAAAABQAAAAUAAAAGQAAABkAAAAAAAAABcAAAAUAAAAAAAAAAAAAAD/fwAA/38AAAAAAAAJAAAABAAAANw7IAEeAAAAaAAAAAAAAAAAAAAAAAAAAAAAAAAAAAAAECcAABAnAAAAAAAAAAAAAAAAAAAAAAAAAAAAAAAAAAAAAAAAAAAAABQAAAAAAAAAwMD/AAAAAABkAAAAMgAAAAAAAABkAAAAAAAAAH9/fwAKAAAAIgAAABgAAAAAAAAAAAAAAAAAAAAAAAAAAAAAAAAAAAAkAAAAJAAAAAAAAAAHAAAAAAAAAAAAAAAAAAAAAAAAAAAAAAAAAAAAf39/ACUAAABYAAAAAAAAAAAAAAAAAAAAAAAAAAAAAAAAAAAAAAAAAAAAAAAAAAAAAAAAAAAAAAA/AAAAAAAAAKCGAQAAAAAAAAAAAAAAAAAMAAAAAQAAAAAAAAAAAAAAAAAAAB8AAABUAAAAAAAABQAAAAEAAAAAAAAAAAAAAAAAAAAAAAAAAAAAAAAAAAAAAAAAAAAAAAJ/f38AAAAAA8zMzADAwP8Af39/AAAAAAAAAAAAAAAAAAAAAAAAAAAAIQAAABgAAAAUAAAAwTUAABsnAABARwAAWSkAABAAAAAmAAAACAAAAAAAAAAAAAAAMAAAABQAAAAAAAAAAAD//wAAAQAAAP//AAABAA=="/>
+                <pr:smNativeData xmlns:pr="smNativeData" xmlns="smNativeData" val="SMDATA_16_a8OGZxMAAAAlAAAAZAAAAA8BAAAAkAAAAEgAAACQAAAASAAAAAAAAAABAAAAAAAAAAEAAABQAAAAAAAAAAAA4D8AAAAAAADgPwAAAAAAAOA/AAAAAAAA4D8AAAAAAADgPwAAAAAAAOA/AAAAAAAA4D8AAAAAAADgPwAAAAAAAOA/AAAAAAAA4D8CAAAAjAAAAAAAAAAAAAAAu+DjDP///wgAAAAAAAAAAAAAAAAAAAAAAAAAAAAAAAAAAAAAZAAAAAEAAABAAAAAAAAAAAAAAAAAAAAAAAAAAAAAAAAAAAAAAAAAAAAAAAAAAAAAAAAAAAAAAAAAAAAAAAAAAAAAAAAAAAAAAAAAAAAAAAAAAAAAAAAAAAAAAAAAAAAAFAAAADwAAAAAAAAAAAAAAAAAAAkUAAAAAQAAABQAAAAUAAAAFAAAAAEAAAAAAAAAZAAAAGQAAAAAAAAAZAAAAGQAAAAVAAAAYAAAAAAAAAAAAAAADwAAACADAAAAAAAAAAAAAAEAAACgMgAAVgcAAKr4//8BAAAAf39/AAEAAABkAAAAAAAAABQAAABAHwAAAAAAACYAAAAAAAAAwOD//wAAAAAmAAAAZAAAABYAAABMAAAAAAAAAAAAAAAEAAAAAAAAAAEAAACAgIAKAAAAACgAAAAoAAAAZAAAAGQAAAAAAAAAzMzMAAAAAABQAAAAUAAAAGQAAABkAAAAAAAAABcAAAAUAAAAAAAAAAAAAAD/fwAA/38AAAAAAAAJAAAABAAAANw7IAEeAAAAaAAAAAAAAAAAAAAAAAAAAAAAAAAAAAAAECcAABAnAAAAAAAAAAAAAAAAAAAAAAAAAAAAAAAAAAAAAAAAAAAAABQAAAAAAAAAwMD/AAAAAABkAAAAMgAAAAAAAABkAAAAAAAAAH9/fwAKAAAAIgAAABgAAAAAAAAAAAAAAAAAAAAAAAAAAAAAAAAAAAAkAAAAJAAAAAAAAAAHAAAAAAAAAAAAAAAAAAAAAAAAAAAAAAAAAAAAf39/ACUAAABYAAAAAAAAAAAAAAAAAAAAAAAAAAAAAAAAAAAAAAAAAAAAAAAAAAAAAAAAAAAAAAA/AAAAAAAAAKCGAQAAAAAAAAAAAAAAAAAMAAAAAQAAAAAAAAAAAAAAAAAAAB8AAABUAAAAAAAABQAAAAEAAAAAAAAAAAAAAAAAAAAAAAAAAAAAAAAAAAAAAAAAAAAAAAJ/f38AAAAAA8zMzADAwP8Af39/AAAAAAAAAAAAAAAAAAAAAAAAAAAAIQAAABgAAAAUAAAAwTUAABsnAABARwAAWSkAABAAAAAmAAAACAAAAAAAAAAAAAAAMAAAABQAAAAAAAAAAAD//wAAAQAAAP//AAABAA=="/>
               </a:ext>
             </a:extLst>
           </p:cNvSpPr>
@@ -2060,7 +2060,7 @@
           <a:lstStyle/>
           <a:p>
             <a:pPr/>
-            <a:fld id="{3D962EAE-E0D0-C3D8-9E2E-168D60606843}" type="slidenum">
+            <a:fld id="{3C72A5C3-8DD1-2753-9FCA-7B06EB84692E}" type="slidenum">
               <a:t/>
             </a:fld>
           </a:p>
@@ -2099,7 +2099,7 @@
             <a:spLocks noGrp="1" noChangeArrowheads="1"/>
             <a:extLst>
               <a:ext uri="smNativeData">
-                <pr:smNativeData xmlns:pr="smNativeData" xmlns="smNativeData" val="SMDATA_16_PryGZxMAAAAlAAAAZAAAAA8BAAAAkAAAAEgAAACQAAAASAAAAAAAAAABAAAAAAAAAAEAAABQAAAAAAAAAAAA4D8AAAAAAADgPwAAAAAAAOA/AAAAAAAA4D8AAAAAAADgPwAAAAAAAOA/AAAAAAAA4D8AAAAAAADgPwAAAAAAAOA/AAAAAAAA4D8CAAAAjAAAAAAAAAAAAAAAu+DjDP///wgAAAAAAAAAAAAAAAAAAAAAAAAAAAAAAAAAAAAAZAAAAAEAAABAAAAAAAAAAAAAAAAAAAAAAAAAAAAAAAAAAAAAAAAAAAAAAAAAAAAAAAAAAAAAAAAAAAAAAAAAAAAAAAAAAAAAAAAAAAAAAAAAAAAAAAAAAAAAAAAAAAAAFAAAADwAAAAAAAAAAAAAAAAAAAkUAAAAAQAAABQAAAAUAAAAFAAAAAEAAAAAAAAAZAAAAGQAAAAAAAAAZAAAAGQAAAAVAAAAYAAAAAAAAAAAAAAADwAAACADAAAAAAAAAAAAAAEAAACgMgAAVgcAAKr4//8BAAAAf39/AAEAAABkAAAAAAAAABQAAABAHwAAAAAAACYAAAAAAAAAwOD//wAAAAAmAAAAZAAAABYAAABMAAAAAAAAAAAAAAAEAAAAAAAAAAEAAACAgIAKAAAAACgAAAAoAAAAZAAAAGQAAAAAAAAAzMzMAAAAAABQAAAAUAAAAGQAAABkAAAAAAAAABcAAAAUAAAAAAAAAAAAAAD/fwAA/38AAAAAAAAJAAAABAAAANw7IAEeAAAAaAAAAAAAAAAAAAAAAAAAAAAAAAAAAAAAECcAABAnAAAAAAAAAAAAAAAAAAAAAAAAAAAAAAAAAAAAAAAAAAAAABQAAAAAAAAAwMD/AAAAAABkAAAAMgAAAAAAAABkAAAAAAAAAH9/fwAKAAAAIgAAABgAAAAAAAAAAAAAAAAAAAAAAAAAAAAAAAAAAAAkAAAAJAAAAAAAAAAHAAAAAAAAAAAAAAAAAAAAAAAAAAAAAAAAAAAAf39/ACUAAABYAAAAAAAAAAAAAAAAAAAAAAAAAAAAAAAAAAAAAAAAAAAAAAAAAAAAAAAAAAAAAAA/AAAAAAAAAKCGAQAAAAAAAAAAAAAAAAAMAAAAAQAAAAAAAAAAAAAAAAAAAB8AAABUAAAAAAAABQAAAAEAAAAAAAAAAAAAAAAAAAAAAAAAAAAAAAAAAAAAAAAAAAAAAAJ/f38AAAAAA8zMzADAwP8Af39/AAAAAAAAAAAAAAAAAAAAAAAAAAAAIQAAABgAAAAUAAAAwAMAABsnAAA/FQAAWSkAABAAAAAmAAAACAAAAAAAAAAAAAAAMAAAABQAAAAAAAAAAAD//wAAAQAAAP//AAABAA=="/>
+                <pr:smNativeData xmlns:pr="smNativeData" xmlns="smNativeData" val="SMDATA_16_a8OGZxMAAAAlAAAAZAAAAA8BAAAAkAAAAEgAAACQAAAASAAAAAAAAAABAAAAAAAAAAEAAABQAAAAAAAAAAAA4D8AAAAAAADgPwAAAAAAAOA/AAAAAAAA4D8AAAAAAADgPwAAAAAAAOA/AAAAAAAA4D8AAAAAAADgPwAAAAAAAOA/AAAAAAAA4D8CAAAAjAAAAAAAAAAAAAAAu+DjDP///wgAAAAAAAAAAAAAAAAAAAAAAAAAAAAAAAAAAAAAZAAAAAEAAABAAAAAAAAAAAAAAAAAAAAAAAAAAAAAAAAAAAAAAAAAAAAAAAAAAAAAAAAAAAAAAAAAAAAAAAAAAAAAAAAAAAAAAAAAAAAAAAAAAAAAAAAAAAAAAAAAAAAAFAAAADwAAAAAAAAAAAAAAAAAAAkUAAAAAQAAABQAAAAUAAAAFAAAAAEAAAAAAAAAZAAAAGQAAAAAAAAAZAAAAGQAAAAVAAAAYAAAAAAAAAAAAAAADwAAACADAAAAAAAAAAAAAAEAAACgMgAAVgcAAKr4//8BAAAAf39/AAEAAABkAAAAAAAAABQAAABAHwAAAAAAACYAAAAAAAAAwOD//wAAAAAmAAAAZAAAABYAAABMAAAAAAAAAAAAAAAEAAAAAAAAAAEAAACAgIAKAAAAACgAAAAoAAAAZAAAAGQAAAAAAAAAzMzMAAAAAABQAAAAUAAAAGQAAABkAAAAAAAAABcAAAAUAAAAAAAAAAAAAAD/fwAA/38AAAAAAAAJAAAABAAAANw7IAEeAAAAaAAAAAAAAAAAAAAAAAAAAAAAAAAAAAAAECcAABAnAAAAAAAAAAAAAAAAAAAAAAAAAAAAAAAAAAAAAAAAAAAAABQAAAAAAAAAwMD/AAAAAABkAAAAMgAAAAAAAABkAAAAAAAAAH9/fwAKAAAAIgAAABgAAAAAAAAAAAAAAAAAAAAAAAAAAAAAAAAAAAAkAAAAJAAAAAAAAAAHAAAAAAAAAAAAAAAAAAAAAAAAAAAAAAAAAAAAf39/ACUAAABYAAAAAAAAAAAAAAAAAAAAAAAAAAAAAAAAAAAAAAAAAAAAAAAAAAAAAAAAAAAAAAA/AAAAAAAAAKCGAQAAAAAAAAAAAAAAAAAMAAAAAQAAAAAAAAAAAAAAAAAAAB8AAABUAAAAAAAABQAAAAEAAAAAAAAAAAAAAAAAAAAAAAAAAAAAAAAAAAAAAAAAAAAAAAJ/f38AAAAAA8zMzADAwP8Af39/AAAAAAAAAAAAAAAAAAAAAAAAAAAAIQAAABgAAAAUAAAAwAMAABsnAAA/FQAAWSkAABAAAAAmAAAACAAAAAAAAAAAAAAAMAAAABQAAAAAAAAAAAD//wAAAQAAAP//AAABAA=="/>
               </a:ext>
             </a:extLst>
           </p:cNvSpPr>
@@ -2113,7 +2113,7 @@
           <a:lstStyle/>
           <a:p>
             <a:pPr/>
-            <a:fld id="{3D965EAE-E0D0-C3A8-9E2E-16FD10606843}" type="datetime1">
+            <a:fld id="{3C729D0F-41D1-276B-9FCA-B73ED38469E2}" type="datetime1">
               <a:t/>
             </a:fld>
           </a:p>
@@ -2126,7 +2126,7 @@
             <a:spLocks noGrp="1" noChangeArrowheads="1"/>
             <a:extLst>
               <a:ext uri="smNativeData">
-                <pr:smNativeData xmlns:pr="smNativeData" xmlns="smNativeData" val="SMDATA_16_PryGZxMAAAAlAAAAZAAAAA8BAAAAkAAAAEgAAACQAAAASAAAAAAAAAABAAAAAAAAAAEAAABQAAAAAAAAAAAA4D8AAAAAAADgPwAAAAAAAOA/AAAAAAAA4D8AAAAAAADgPwAAAAAAAOA/AAAAAAAA4D8AAAAAAADgPwAAAAAAAOA/AAAAAAAA4D8CAAAAjAAAAAAAAAAAAAAAu+DjDP///wgAAAAAAAAAAAAAAAAAAAAAAAAAAAAAAAAAAAAAZAAAAAEAAABAAAAAAAAAAAAAAAAAAAAAAAAAAAAAAAAAAAAAAAAAAAAAAAAAAAAAAAAAAAAAAAAAAAAAAAAAAAAAAAAAAAAAAAAAAAAAAAAAAAAAAAAAAAAAAAAAAAAAFAAAADwAAAAAAAAAAAAAAAAAAAkUAAAAAQAAABQAAAAUAAAAFAAAAAEAAAAAAAAAZAAAAGQAAAAAAAAAZAAAAGQAAAAVAAAAYAAAAAAAAAAAAAAADwAAACADAAAAAAAAAAAAAAEAAACgMgAAVgcAAKr4//8BAAAAf39/AAEAAABkAAAAAAAAABQAAABAHwAAAAAAACYAAAAAAAAAwOD//wAAAAAmAAAAZAAAABYAAABMAAAAAAAAAAAAAAAEAAAAAAAAAAEAAACAgIAKAAAAACgAAAAoAAAAZAAAAGQAAAAAAAAAzMzMAAAAAABQAAAAUAAAAGQAAABkAAAAAAAAABcAAAAUAAAAAAAAAAAAAAD/fwAA/38AAAAAAAAJAAAABAAAAAAAAAAeAAAAaAAAAAAAAAAAAAAAAAAAAAAAAAAAAAAAECcAABAnAAAAAAAAAAAAAAAAAAAAAAAAAAAAAAAAAAAAAAAAAAAAABQAAAAAAAAAwMD/AAAAAABkAAAAMgAAAAAAAABkAAAAAAAAAH9/fwAKAAAAIgAAABgAAAAAAAAAAAAAAAAAAAAAAAAAAAAAAAAAAAAkAAAAJAAAAAAAAAAHAAAAAAAAAAAAAAAAAAAAAAAAAAAAAAAAAAAAf39/ACUAAABYAAAAAAAAAAAAAAAAAAAAAAAAAAAAAAAAAAAAAAAAAAAAAAAAAAAAAAAAAAAAAAA/AAAAAAAAAKCGAQAAAAAAAAAAAAAAAAAMAAAAAQAAAAAAAAAAAAAAAAAAAB8AAABUAAAAAAAABQAAAAEAAAAAAAAAAAAAAAAAAAAAAAAAAAAAAAAAAAAAAAAAAAAAAAJ/f38AAAAAA8zMzADAwP8Af39/AAAAAAAAAAAAAAAAAAAAAAAAAAAAIQAAABgAAAAUAAAAoRkAABsnAABfMQAAWSkAABAAAAAmAAAACAAAAAAAAAAAAAAAMAAAABQAAAAAAAAAAAD//wAAAQAAAP//AAABAA=="/>
+                <pr:smNativeData xmlns:pr="smNativeData" xmlns="smNativeData" val="SMDATA_16_a8OGZxMAAAAlAAAAZAAAAA8BAAAAkAAAAEgAAACQAAAASAAAAAAAAAABAAAAAAAAAAEAAABQAAAAAAAAAAAA4D8AAAAAAADgPwAAAAAAAOA/AAAAAAAA4D8AAAAAAADgPwAAAAAAAOA/AAAAAAAA4D8AAAAAAADgPwAAAAAAAOA/AAAAAAAA4D8CAAAAjAAAAAAAAAAAAAAAu+DjDP///wgAAAAAAAAAAAAAAAAAAAAAAAAAAAAAAAAAAAAAZAAAAAEAAABAAAAAAAAAAAAAAAAAAAAAAAAAAAAAAAAAAAAAAAAAAAAAAAAAAAAAAAAAAAAAAAAAAAAAAAAAAAAAAAAAAAAAAAAAAAAAAAAAAAAAAAAAAAAAAAAAAAAAFAAAADwAAAAAAAAAAAAAAAAAAAkUAAAAAQAAABQAAAAUAAAAFAAAAAEAAAAAAAAAZAAAAGQAAAAAAAAAZAAAAGQAAAAVAAAAYAAAAAAAAAAAAAAADwAAACADAAAAAAAAAAAAAAEAAACgMgAAVgcAAKr4//8BAAAAf39/AAEAAABkAAAAAAAAABQAAABAHwAAAAAAACYAAAAAAAAAwOD//wAAAAAmAAAAZAAAABYAAABMAAAAAAAAAAAAAAAEAAAAAAAAAAEAAACAgIAKAAAAACgAAAAoAAAAZAAAAGQAAAAAAAAAzMzMAAAAAABQAAAAUAAAAGQAAABkAAAAAAAAABcAAAAUAAAAAAAAAAAAAAD/fwAA/38AAAAAAAAJAAAABAAAAAAAAAAeAAAAaAAAAAAAAAAAAAAAAAAAAAAAAAAAAAAAECcAABAnAAAAAAAAAAAAAAAAAAAAAAAAAAAAAAAAAAAAAAAAAAAAABQAAAAAAAAAwMD/AAAAAABkAAAAMgAAAAAAAABkAAAAAAAAAH9/fwAKAAAAIgAAABgAAAAAAAAAAAAAAAAAAAAAAAAAAAAAAAAAAAAkAAAAJAAAAAAAAAAHAAAAAAAAAAAAAAAAAAAAAAAAAAAAAAAAAAAAf39/ACUAAABYAAAAAAAAAAAAAAAAAAAAAAAAAAAAAAAAAAAAAAAAAAAAAAAAAAAAAAAAAAAAAAA/AAAAAAAAAKCGAQAAAAAAAAAAAAAAAAAMAAAAAQAAAAAAAAAAAAAAAAAAAB8AAABUAAAAAAAABQAAAAEAAAAAAAAAAAAAAAAAAAAAAAAAAAAAAAAAAAAAAAAAAAAAAAJ/f38AAAAAA8zMzADAwP8Af39/AAAAAAAAAAAAAAAAAAAAAAAAAAAAIQAAABgAAAAUAAAAoRkAABsnAABfMQAAWSkAABAAAAAmAAAACAAAAAAAAAAAAAAAMAAAABQAAAAAAAAAAAD//wAAAQAAAP//AAABAA=="/>
               </a:ext>
             </a:extLst>
           </p:cNvSpPr>
@@ -2150,7 +2150,7 @@
             <a:spLocks noGrp="1" noChangeArrowheads="1"/>
             <a:extLst>
               <a:ext uri="smNativeData">
-                <pr:smNativeData xmlns:pr="smNativeData" xmlns="smNativeData" val="SMDATA_16_PryGZxMAAAAlAAAAZAAAAA8BAAAAkAAAAEgAAACQAAAASAAAAAAAAAABAAAAAAAAAAEAAABQAAAAAAAAAAAA4D8AAAAAAADgPwAAAAAAAOA/AAAAAAAA4D8AAAAAAADgPwAAAAAAAOA/AAAAAAAA4D8AAAAAAADgPwAAAAAAAOA/AAAAAAAA4D8CAAAAjAAAAAAAAAAAAAAAu+DjDP///wgAAAAAAAAAAAAAAAAAAAAAAAAAAAAAAAAAAAAAZAAAAAEAAABAAAAAAAAAAAAAAAAAAAAAAAAAAAAAAAAAAAAAAAAAAAAAAAAAAAAAAAAAAAAAAAAAAAAAAAAAAAAAAAAAAAAAAAAAAAAAAAAAAAAAAAAAAAAAAAAAAAAAFAAAADwAAAAAAAAAAAAAAAAAAAkUAAAAAQAAABQAAAAUAAAAFAAAAAEAAAAAAAAAZAAAAGQAAAAAAAAAZAAAAGQAAAAVAAAAYAAAAAAAAAAAAAAADwAAACADAAAAAAAAAAAAAAEAAACgMgAAVgcAAKr4//8BAAAAf39/AAEAAABkAAAAAAAAABQAAABAHwAAAAAAACYAAAAAAAAAwOD//wAAAAAmAAAAZAAAABYAAABMAAAAAAAAAAAAAAAEAAAAAAAAAAEAAACAgIAKAAAAACgAAAAoAAAAZAAAAGQAAAAAAAAAzMzMAAAAAABQAAAAUAAAAGQAAABkAAAAAAAAABcAAAAUAAAAAAAAAAAAAAD/fwAA/38AAAAAAAAJAAAABAAAAAAAAAAeAAAAaAAAAAAAAAAAAAAAAAAAAAAAAAAAAAAAECcAABAnAAAAAAAAAAAAAAAAAAAAAAAAAAAAAAAAAAAAAAAAAAAAABQAAAAAAAAAwMD/AAAAAABkAAAAMgAAAAAAAABkAAAAAAAAAH9/fwAKAAAAIgAAABgAAAAAAAAAAAAAAAAAAAAAAAAAAAAAAAAAAAAkAAAAJAAAAAAAAAAHAAAAAAAAAAAAAAAAAAAAAAAAAAAAAAAAAAAAf39/ACUAAABYAAAAAAAAAAAAAAAAAAAAAAAAAAAAAAAAAAAAAAAAAAAAAAAAAAAAAAAAAAAAAAA/AAAAAAAAAKCGAQAAAAAAAAAAAAAAAAAMAAAAAQAAAAAAAAAAAAAAAAAAAB8AAABUAAAAAAAABQAAAAEAAAAAAAAAAAAAAAAAAAAAAAAAAAAAAAAAAAAAAAAAAAAAAAJ/f38AAAAAA8zMzADAwP8Af39/AAAAAAAAAAAAAAAAAAAAAAAAAAAAIQAAABgAAAAUAAAAwTUAABsnAABARwAAWSkAABAAAAAmAAAACAAAAAAAAAAAAAAAMAAAABQAAAAAAAAAAAD//wAAAQAAAP//AAABAA=="/>
+                <pr:smNativeData xmlns:pr="smNativeData" xmlns="smNativeData" val="SMDATA_16_a8OGZxMAAAAlAAAAZAAAAA8BAAAAkAAAAEgAAACQAAAASAAAAAAAAAABAAAAAAAAAAEAAABQAAAAAAAAAAAA4D8AAAAAAADgPwAAAAAAAOA/AAAAAAAA4D8AAAAAAADgPwAAAAAAAOA/AAAAAAAA4D8AAAAAAADgPwAAAAAAAOA/AAAAAAAA4D8CAAAAjAAAAAAAAAAAAAAAu+DjDP///wgAAAAAAAAAAAAAAAAAAAAAAAAAAAAAAAAAAAAAZAAAAAEAAABAAAAAAAAAAAAAAAAAAAAAAAAAAAAAAAAAAAAAAAAAAAAAAAAAAAAAAAAAAAAAAAAAAAAAAAAAAAAAAAAAAAAAAAAAAAAAAAAAAAAAAAAAAAAAAAAAAAAAFAAAADwAAAAAAAAAAAAAAAAAAAkUAAAAAQAAABQAAAAUAAAAFAAAAAEAAAAAAAAAZAAAAGQAAAAAAAAAZAAAAGQAAAAVAAAAYAAAAAAAAAAAAAAADwAAACADAAAAAAAAAAAAAAEAAACgMgAAVgcAAKr4//8BAAAAf39/AAEAAABkAAAAAAAAABQAAABAHwAAAAAAACYAAAAAAAAAwOD//wAAAAAmAAAAZAAAABYAAABMAAAAAAAAAAAAAAAEAAAAAAAAAAEAAACAgIAKAAAAACgAAAAoAAAAZAAAAGQAAAAAAAAAzMzMAAAAAABQAAAAUAAAAGQAAABkAAAAAAAAABcAAAAUAAAAAAAAAAAAAAD/fwAA/38AAAAAAAAJAAAABAAAAAAAAAAeAAAAaAAAAAAAAAAAAAAAAAAAAAAAAAAAAAAAECcAABAnAAAAAAAAAAAAAAAAAAAAAAAAAAAAAAAAAAAAAAAAAAAAABQAAAAAAAAAwMD/AAAAAABkAAAAMgAAAAAAAABkAAAAAAAAAH9/fwAKAAAAIgAAABgAAAAAAAAAAAAAAAAAAAAAAAAAAAAAAAAAAAAkAAAAJAAAAAAAAAAHAAAAAAAAAAAAAAAAAAAAAAAAAAAAAAAAAAAAf39/ACUAAABYAAAAAAAAAAAAAAAAAAAAAAAAAAAAAAAAAAAAAAAAAAAAAAAAAAAAAAAAAAAAAAA/AAAAAAAAAKCGAQAAAAAAAAAAAAAAAAAMAAAAAQAAAAAAAAAAAAAAAAAAAB8AAABUAAAAAAAABQAAAAEAAAAAAAAAAAAAAAAAAAAAAAAAAAAAAAAAAAAAAAAAAAAAAAJ/f38AAAAAA8zMzADAwP8Af39/AAAAAAAAAAAAAAAAAAAAAAAAAAAAIQAAABgAAAAUAAAAwTUAABsnAABARwAAWSkAABAAAAAmAAAACAAAAAAAAAAAAAAAMAAAABQAAAAAAAAAAAD//wAAAQAAAP//AAABAA=="/>
               </a:ext>
             </a:extLst>
           </p:cNvSpPr>
@@ -2164,7 +2164,7 @@
           <a:lstStyle/>
           <a:p>
             <a:pPr/>
-            <a:fld id="{3D963FF4-BAD0-C3C9-9E2E-4C9C71606819}" type="slidenum">
+            <a:fld id="{3C729AF6-B8D1-276C-9FCA-4E39D484691B}" type="slidenum">
               <a:t/>
             </a:fld>
           </a:p>
@@ -2203,7 +2203,7 @@
             <a:spLocks noGrp="1" noChangeArrowheads="1"/>
             <a:extLst>
               <a:ext uri="smNativeData">
-                <pr:smNativeData xmlns:pr="smNativeData" xmlns="smNativeData" val="SMDATA_16_PryGZxMAAAAlAAAAZAAAAA8BAAAAkAAAAEgAAACQAAAASAAAAAAAAAACAAAAAAAAAAEAAABQAAAAAAAAAAAA4D8AAAAAAADgPwAAAAAAAOA/AAAAAAAA4D8AAAAAAADgPwAAAAAAAOA/AAAAAAAA4D8AAAAAAADgPwAAAAAAAOA/AAAAAAAA4D8CAAAAjAAAAAAAAAAAAAAAu+DjDP///wgAAAAAAAAAAAAAAAAAAAAAAAAAAAAAAAAAAAAAZAAAAAEAAABAAAAAAAAAAAAAAAAAAAAAAAAAAAAAAAAAAAAAAAAAAAAAAAAAAAAAAAAAAAAAAAAAAAAAAAAAAAAAAAAAAAAAAAAAAAAAAAAAAAAAAAAAAAAAAAAAAAAAFAAAADwAAAAAAAAAAAAAAAAAAAkUAAAAAQAAABQAAAAUAAAAFAAAAAEAAAAAAAAAZAAAAGQAAAAAAAAAZAAAAGQAAAAVAAAAYAAAAAAAAAAAAAAADwAAACADAAAAAAAAAAAAAAEAAACgMgAAVgcAAKr4//8BAAAAf39/AAEAAABkAAAAAAAAABQAAABAHwAAAAAAACYAAAAAAAAAwOD//wAAAAAmAAAAZAAAABYAAABMAAAAAAAAAAAAAAAEAAAAAAAAAAEAAACAgIAKAAAAACgAAAAoAAAAZAAAAGQAAAAAAAAAzMzMAAAAAABQAAAAUAAAAGQAAABkAAAAAAAAABcAAAAUAAAAAAAAAAAAAAD/fwAA/38AAAAAAAAJAAAABAAAAAAAAAAeAAAAaAAAAAAAAAAAAAAAAAAAAAAAAAAAAAAAECcAABAnAAAAAAAAAAAAAAAAAAAAAAAAAAAAAAAAAAAAAAAAAAAAABQAAAAAAAAAwMD/AAAAAABkAAAAMgAAAAAAAABkAAAAAAAAAH9/fwAKAAAAIgAAABgAAAAAAAAAAAAAAAAAAAAAAAAAAAAAAAAAAAAkAAAAJAAAAAAAAAAHAAAAAAAAAAAAAAAAAAAAAAAAAAAAAAAAAAAAf39/ACUAAABYAAAAAAAAAAAAAAAAAAAAAAAAAAAAAAAAAAAAAAAAAAAAAAAAAAAAAAAAAAAAAAA/AAAAAAAAAKCGAQAAAAAAAAAAAAAAAAAMAAAAAQAAAAAAAAAAAAAAAAAAAB8AAABUAAAAAAAABQAAAAEAAAAAAAAAAAAAAAAAAAAAAAAAAAAAAAAAAAAAAAAAAAAAAAJ/f38AAAAAA8zMzADAwP8Af39/AAAAAAAAAAAAAAAAAAAAAAAAAAAAIQAAABgAAAAUAAAAwAMAAK4BAABtHAAA1AgAABAAAAAmAAAACAAAAIGAAAAAAAAAMAAAABQAAAAAAAAAAAD//wAAAQAAAP//AAABAA=="/>
+                <pr:smNativeData xmlns:pr="smNativeData" xmlns="smNativeData" val="SMDATA_16_a8OGZxMAAAAlAAAAZAAAAA8BAAAAkAAAAEgAAACQAAAASAAAAAAAAAACAAAAAAAAAAEAAABQAAAAAAAAAAAA4D8AAAAAAADgPwAAAAAAAOA/AAAAAAAA4D8AAAAAAADgPwAAAAAAAOA/AAAAAAAA4D8AAAAAAADgPwAAAAAAAOA/AAAAAAAA4D8CAAAAjAAAAAAAAAAAAAAAu+DjDP///wgAAAAAAAAAAAAAAAAAAAAAAAAAAAAAAAAAAAAAZAAAAAEAAABAAAAAAAAAAAAAAAAAAAAAAAAAAAAAAAAAAAAAAAAAAAAAAAAAAAAAAAAAAAAAAAAAAAAAAAAAAAAAAAAAAAAAAAAAAAAAAAAAAAAAAAAAAAAAAAAAAAAAFAAAADwAAAAAAAAAAAAAAAAAAAkUAAAAAQAAABQAAAAUAAAAFAAAAAEAAAAAAAAAZAAAAGQAAAAAAAAAZAAAAGQAAAAVAAAAYAAAAAAAAAAAAAAADwAAACADAAAAAAAAAAAAAAEAAACgMgAAVgcAAKr4//8BAAAAf39/AAEAAABkAAAAAAAAABQAAABAHwAAAAAAACYAAAAAAAAAwOD//wAAAAAmAAAAZAAAABYAAABMAAAAAAAAAAAAAAAEAAAAAAAAAAEAAACAgIAKAAAAACgAAAAoAAAAZAAAAGQAAAAAAAAAzMzMAAAAAABQAAAAUAAAAGQAAABkAAAAAAAAABcAAAAUAAAAAAAAAAAAAAD/fwAA/38AAAAAAAAJAAAABAAAAAAAAAAeAAAAaAAAAAAAAAAAAAAAAAAAAAAAAAAAAAAAECcAABAnAAAAAAAAAAAAAAAAAAAAAAAAAAAAAAAAAAAAAAAAAAAAABQAAAAAAAAAwMD/AAAAAABkAAAAMgAAAAAAAABkAAAAAAAAAH9/fwAKAAAAIgAAABgAAAAAAAAAAAAAAAAAAAAAAAAAAAAAAAAAAAAkAAAAJAAAAAAAAAAHAAAAAAAAAAAAAAAAAAAAAAAAAAAAAAAAAAAAf39/ACUAAABYAAAAAAAAAAAAAAAAAAAAAAAAAAAAAAAAAAAAAAAAAAAAAAAAAAAAAAAAAAAAAAA/AAAAAAAAAKCGAQAAAAAAAAAAAAAAAAAMAAAAAQAAAAAAAAAAAAAAAAAAAB8AAABUAAAAAAAABQAAAAEAAAAAAAAAAAAAAAAAAAAAAAAAAAAAAAAAAAAAAAAAAAAAAAJ/f38AAAAAA8zMzADAwP8Af39/AAAAAAAAAAAAAAAAAAAAAAAAAAAAIQAAABgAAAAUAAAAwAMAAK4BAABtHAAA1AgAABAAAAAmAAAACAAAAIGAAAAAAAAAMAAAABQAAAAAAAAAAAD//wAAAQAAAP//AAABAA=="/>
               </a:ext>
             </a:extLst>
           </p:cNvSpPr>
@@ -2243,7 +2243,7 @@
             <a:spLocks noGrp="1" noChangeArrowheads="1"/>
             <a:extLst>
               <a:ext uri="smNativeData">
-                <pr:smNativeData xmlns:pr="smNativeData" xmlns="smNativeData" val="SMDATA_16_PryGZxMAAAAlAAAAZAAAAA8BAAAAkAAAAEgAAACQAAAASAAAAAAAAAAAAAAAAAAAAAEAAABQAAAAAAAAAAAA4D8AAAAAAADgPwAAAAAAAOA/AAAAAAAA4D8AAAAAAADgPwAAAAAAAOA/AAAAAAAA4D8AAAAAAADgPwAAAAAAAOA/AAAAAAAA4D8CAAAAjAAAAAAAAAAAAAAAu+DjDP///wgAAAAAAAAAAAAAAAAAAAAAAAAAAAAAAAAAAAAAZAAAAAEAAABAAAAAAAAAAAAAAAAAAAAAAAAAAAAAAAAAAAAAAAAAAAAAAAAAAAAAAAAAAAAAAAAAAAAAAAAAAAAAAAAAAAAAAAAAAAAAAAAAAAAAAAAAAAAAAAAAAAAAFAAAADwAAAAAAAAAAAAAAAAAAAkUAAAAAQAAABQAAAAUAAAAFAAAAAEAAAAAAAAAZAAAAGQAAAAAAAAAZAAAAGQAAAAVAAAAYAAAAAAAAAAAAAAADwAAACADAAAAAAAAAAAAAAEAAACgMgAAVgcAAKr4//8BAAAAf39/AAEAAABkAAAAAAAAABQAAABAHwAAAAAAACYAAAAAAAAAwOD//wAAAAAmAAAAZAAAABYAAABMAAAAAAAAAAAAAAAEAAAAAAAAAAEAAACAgIAKAAAAACgAAAAoAAAAZAAAAGQAAAAAAAAAzMzMAAAAAABQAAAAUAAAAGQAAABkAAAAAAAAABcAAAAUAAAAAAAAAAAAAAD/fwAA/38AAAAAAAAJAAAABAAAAAAAAAAeAAAAaAAAAAAAAAAAAAAAAAAAAAAAAAAAAAAAECcAABAnAAAAAAAAAAAAAAAAAAAAAAAAAAAAAAAAAAAAAAAAAAAAABQAAAAAAAAAwMD/AAAAAABkAAAAMgAAAAAAAABkAAAAAAAAAH9/fwAKAAAAIgAAABgAAAAAAAAAAAAAAAAAAAAAAAAAAAAAAAAAAAAkAAAAJAAAAAAAAAAHAAAAAAAAAAAAAAAAAAAAAAAAAAAAAAAAAAAAf39/ACUAAABYAAAAAAAAAAAAAAAAAAAAAAAAAAAAAAAAAAAAAAAAAAAAAAAAAAAAAAAAAAAAAAA/AAAAAAAAAKCGAQAAAAAAAAAAAAAAAAAMAAAAAQAAAAAAAAAAAAAAAAAAAB8AAABUAAAAAAAABQAAAAEAAAAAAAAAAAAAAAAAAAAAAAAAAAAAAAAAAAAAAAAAAAAAAAJ/f38AAAAAA8zMzADAwP8Af39/AAAAAAAAAAAAAAAAAAAAAAAAAAAAIQAAABgAAAAUAAAAUx0AAK4BAABARwAAsCUAABAAAAAmAAAACAAAAAGAAAAAAAAAMAAAABQAAAAAAAAAAAD//wAAAQAAAP//AAABAA=="/>
+                <pr:smNativeData xmlns:pr="smNativeData" xmlns="smNativeData" val="SMDATA_16_a8OGZxMAAAAlAAAAZAAAAA8BAAAAkAAAAEgAAACQAAAASAAAAAAAAAAAAAAAAAAAAAEAAABQAAAAAAAAAAAA4D8AAAAAAADgPwAAAAAAAOA/AAAAAAAA4D8AAAAAAADgPwAAAAAAAOA/AAAAAAAA4D8AAAAAAADgPwAAAAAAAOA/AAAAAAAA4D8CAAAAjAAAAAAAAAAAAAAAu+DjDP///wgAAAAAAAAAAAAAAAAAAAAAAAAAAAAAAAAAAAAAZAAAAAEAAABAAAAAAAAAAAAAAAAAAAAAAAAAAAAAAAAAAAAAAAAAAAAAAAAAAAAAAAAAAAAAAAAAAAAAAAAAAAAAAAAAAAAAAAAAAAAAAAAAAAAAAAAAAAAAAAAAAAAAFAAAADwAAAAAAAAAAAAAAAAAAAkUAAAAAQAAABQAAAAUAAAAFAAAAAEAAAAAAAAAZAAAAGQAAAAAAAAAZAAAAGQAAAAVAAAAYAAAAAAAAAAAAAAADwAAACADAAAAAAAAAAAAAAEAAACgMgAAVgcAAKr4//8BAAAAf39/AAEAAABkAAAAAAAAABQAAABAHwAAAAAAACYAAAAAAAAAwOD//wAAAAAmAAAAZAAAABYAAABMAAAAAAAAAAAAAAAEAAAAAAAAAAEAAACAgIAKAAAAACgAAAAoAAAAZAAAAGQAAAAAAAAAzMzMAAAAAABQAAAAUAAAAGQAAABkAAAAAAAAABcAAAAUAAAAAAAAAAAAAAD/fwAA/38AAAAAAAAJAAAABAAAAAAAAAAeAAAAaAAAAAAAAAAAAAAAAAAAAAAAAAAAAAAAECcAABAnAAAAAAAAAAAAAAAAAAAAAAAAAAAAAAAAAAAAAAAAAAAAABQAAAAAAAAAwMD/AAAAAABkAAAAMgAAAAAAAABkAAAAAAAAAH9/fwAKAAAAIgAAABgAAAAAAAAAAAAAAAAAAAAAAAAAAAAAAAAAAAAkAAAAJAAAAAAAAAAHAAAAAAAAAAAAAAAAAAAAAAAAAAAAAAAAAAAAf39/ACUAAABYAAAAAAAAAAAAAAAAAAAAAAAAAAAAAAAAAAAAAAAAAAAAAAAAAAAAAAAAAAAAAAA/AAAAAAAAAKCGAQAAAAAAAAAAAAAAAAAMAAAAAQAAAAAAAAAAAAAAAAAAAB8AAABUAAAAAAAABQAAAAEAAAAAAAAAAAAAAAAAAAAAAAAAAAAAAAAAAAAAAAAAAAAAAAJ/f38AAAAAA8zMzADAwP8Af39/AAAAAAAAAAAAAAAAAAAAAAAAAAAAIQAAABgAAAAUAAAAUx0AAK4BAABARwAAsCUAABAAAAAmAAAACAAAAAGAAAAAAAAAMAAAABQAAAAAAAAAAAD//wAAAQAAAP//AAABAA=="/>
               </a:ext>
             </a:extLst>
           </p:cNvSpPr>
@@ -2327,7 +2327,7 @@
             <a:spLocks noGrp="1" noChangeArrowheads="1"/>
             <a:extLst>
               <a:ext uri="smNativeData">
-                <pr:smNativeData xmlns:pr="smNativeData" xmlns="smNativeData" val="SMDATA_16_PryGZxMAAAAlAAAAZAAAAA8BAAAAkAAAAEgAAACQAAAASAAAAAAAAAAAAAAAAAAAAAEAAABQAAAAAAAAAAAA4D8AAAAAAADgPwAAAAAAAOA/AAAAAAAA4D8AAAAAAADgPwAAAAAAAOA/AAAAAAAA4D8AAAAAAADgPwAAAAAAAOA/AAAAAAAA4D8CAAAAjAAAAAAAAAAAAAAAu+DjDP///wgAAAAAAAAAAAAAAAAAAAAAAAAAAAAAAAAAAAAAZAAAAAEAAABAAAAAAAAAAAAAAAAAAAAAAAAAAAAAAAAAAAAAAAAAAAAAAAAAAAAAAAAAAAAAAAAAAAAAAAAAAAAAAAAAAAAAAAAAAAAAAAAAAAAAAAAAAAAAAAAAAAAAFAAAADwAAAAAAAAAAAAAAAAAAAkUAAAAAQAAABQAAAAUAAAAFAAAAAEAAAAAAAAAZAAAAGQAAAAAAAAAZAAAAGQAAAAVAAAAYAAAAAAAAAAAAAAADwAAACADAAAAAAAAAAAAAAEAAACgMgAAVgcAAKr4//8BAAAAf39/AAEAAABkAAAAAAAAABQAAABAHwAAAAAAACYAAAAAAAAAwOD//wAAAAAmAAAAZAAAABYAAABMAAAAAAAAAAAAAAAEAAAAAAAAAAEAAACAgIAKAAAAACgAAAAoAAAAZAAAAGQAAAAAAAAAzMzMAAAAAABQAAAAUAAAAGQAAABkAAAAAAAAABcAAAAUAAAAAAAAAAAAAAD/fwAA/38AAAAAAAAJAAAABAAAAAAAAAAeAAAAaAAAAAAAAAAAAAAAAAAAAAAAAAAAAAAAECcAABAnAAAAAAAAAAAAAAAAAAAAAAAAAAAAAAAAAAAAAAAAAAAAABQAAAAAAAAAwMD/AAAAAABkAAAAMgAAAAAAAABkAAAAAAAAAH9/fwAKAAAAIgAAABgAAAAAAAAAAAAAAAAAAAAAAAAAAAAAAAAAAAAkAAAAJAAAAAAAAAAHAAAAAAAAAAAAAAAAAAAAAAAAAAAAAAAAAAAAf39/ACUAAABYAAAAAAAAAAAAAAAAAAAAAAAAAAAAAAAAAAAAAAAAAAAAAAAAAAAAAAAAAAAAAAA/AAAAAAAAAKCGAQAAAAAAAAAAAAAAAAAMAAAAAQAAAAAAAAAAAAAAAAAAAB8AAABUAAAAAAAABQAAAAEAAAAAAAAAAAAAAAAAAAAAAAAAAAAAAAAAAAAAAAAAAAAAAAJ/f38AAAAAA8zMzADAwP8Af39/AAAAAAAAAAAAAAAAAAAAAAAAAAAAIQAAABgAAAAUAAAAwAMAANQIAABtHAAAsCUAABAAAAAmAAAACAAAAAGAAAAAAAAAMAAAABQAAAAAAAAAAAD//wAAAQAAAP//AAABAA=="/>
+                <pr:smNativeData xmlns:pr="smNativeData" xmlns="smNativeData" val="SMDATA_16_a8OGZxMAAAAlAAAAZAAAAA8BAAAAkAAAAEgAAACQAAAASAAAAAAAAAAAAAAAAAAAAAEAAABQAAAAAAAAAAAA4D8AAAAAAADgPwAAAAAAAOA/AAAAAAAA4D8AAAAAAADgPwAAAAAAAOA/AAAAAAAA4D8AAAAAAADgPwAAAAAAAOA/AAAAAAAA4D8CAAAAjAAAAAAAAAAAAAAAu+DjDP///wgAAAAAAAAAAAAAAAAAAAAAAAAAAAAAAAAAAAAAZAAAAAEAAABAAAAAAAAAAAAAAAAAAAAAAAAAAAAAAAAAAAAAAAAAAAAAAAAAAAAAAAAAAAAAAAAAAAAAAAAAAAAAAAAAAAAAAAAAAAAAAAAAAAAAAAAAAAAAAAAAAAAAFAAAADwAAAAAAAAAAAAAAAAAAAkUAAAAAQAAABQAAAAUAAAAFAAAAAEAAAAAAAAAZAAAAGQAAAAAAAAAZAAAAGQAAAAVAAAAYAAAAAAAAAAAAAAADwAAACADAAAAAAAAAAAAAAEAAACgMgAAVgcAAKr4//8BAAAAf39/AAEAAABkAAAAAAAAABQAAABAHwAAAAAAACYAAAAAAAAAwOD//wAAAAAmAAAAZAAAABYAAABMAAAAAAAAAAAAAAAEAAAAAAAAAAEAAACAgIAKAAAAACgAAAAoAAAAZAAAAGQAAAAAAAAAzMzMAAAAAABQAAAAUAAAAGQAAABkAAAAAAAAABcAAAAUAAAAAAAAAAAAAAD/fwAA/38AAAAAAAAJAAAABAAAAAAAAAAeAAAAaAAAAAAAAAAAAAAAAAAAAAAAAAAAAAAAECcAABAnAAAAAAAAAAAAAAAAAAAAAAAAAAAAAAAAAAAAAAAAAAAAABQAAAAAAAAAwMD/AAAAAABkAAAAMgAAAAAAAABkAAAAAAAAAH9/fwAKAAAAIgAAABgAAAAAAAAAAAAAAAAAAAAAAAAAAAAAAAAAAAAkAAAAJAAAAAAAAAAHAAAAAAAAAAAAAAAAAAAAAAAAAAAAAAAAAAAAf39/ACUAAABYAAAAAAAAAAAAAAAAAAAAAAAAAAAAAAAAAAAAAAAAAAAAAAAAAAAAAAAAAAAAAAA/AAAAAAAAAKCGAQAAAAAAAAAAAAAAAAAMAAAAAQAAAAAAAAAAAAAAAAAAAB8AAABUAAAAAAAABQAAAAEAAAAAAAAAAAAAAAAAAAAAAAAAAAAAAAAAAAAAAAAAAAAAAAJ/f38AAAAAA8zMzADAwP8Af39/AAAAAAAAAAAAAAAAAAAAAAAAAAAAIQAAABgAAAAUAAAAwAMAANQIAABtHAAAsCUAABAAAAAmAAAACAAAAAGAAAAAAAAAMAAAABQAAAAAAAAAAAD//wAAAQAAAP//AAABAA=="/>
               </a:ext>
             </a:extLst>
           </p:cNvSpPr>
@@ -2396,7 +2396,7 @@
             <a:spLocks noGrp="1" noChangeArrowheads="1"/>
             <a:extLst>
               <a:ext uri="smNativeData">
-                <pr:smNativeData xmlns:pr="smNativeData" xmlns="smNativeData" val="SMDATA_16_PryGZxMAAAAlAAAAZAAAAA8BAAAAkAAAAEgAAACQAAAASAAAAAAAAAABAAAAAAAAAAEAAABQAAAAAAAAAAAA4D8AAAAAAADgPwAAAAAAAOA/AAAAAAAA4D8AAAAAAADgPwAAAAAAAOA/AAAAAAAA4D8AAAAAAADgPwAAAAAAAOA/AAAAAAAA4D8CAAAAjAAAAAAAAAAAAAAAu+DjDP///wgAAAAAAAAAAAAAAAAAAAAAAAAAAAAAAAAAAAAAZAAAAAEAAABAAAAAAAAAAAAAAAAAAAAAAAAAAAAAAAAAAAAAAAAAAAAAAAAAAAAAAAAAAAAAAAAAAAAAAAAAAAAAAAAAAAAAAAAAAAAAAAAAAAAAAAAAAAAAAAAAAAAAFAAAADwAAAAAAAAAAAAAAAAAAAkUAAAAAQAAABQAAAAUAAAAFAAAAAEAAAAAAAAAZAAAAGQAAAAAAAAAZAAAAGQAAAAVAAAAYAAAAAAAAAAAAAAADwAAACADAAAAAAAAAAAAAAEAAACgMgAAVgcAAKr4//8BAAAAf39/AAEAAABkAAAAAAAAABQAAABAHwAAAAAAACYAAAAAAAAAwOD//wAAAAAmAAAAZAAAABYAAABMAAAAAAAAAAAAAAAEAAAAAAAAAAEAAACAgIAKAAAAACgAAAAoAAAAZAAAAGQAAAAAAAAAzMzMAAAAAABQAAAAUAAAAGQAAABkAAAAAAAAABcAAAAUAAAAAAAAAAAAAAD/fwAA/38AAAAAAAAJAAAABAAAAAAAAAAeAAAAaAAAAAAAAAAAAAAAAAAAAAAAAAAAAAAAECcAABAnAAAAAAAAAAAAAAAAAAAAAAAAAAAAAAAAAAAAAAAAAAAAABQAAAAAAAAAwMD/AAAAAABkAAAAMgAAAAAAAABkAAAAAAAAAH9/fwAKAAAAIgAAABgAAAAAAAAAAAAAAAAAAAAAAAAAAAAAAAAAAAAkAAAAJAAAAAAAAAAHAAAAAAAAAAAAAAAAAAAAAAAAAAAAAAAAAAAAf39/ACUAAABYAAAAAAAAAAAAAAAAAAAAAAAAAAAAAAAAAAAAAAAAAAAAAAAAAAAAAAAAAAAAAAA/AAAAAAAAAKCGAQAAAAAAAAAAAAAAAAAMAAAAAQAAAAAAAAAAAAAAAAAAAB8AAABUAAAAAAAABQAAAAEAAAAAAAAAAAAAAAAAAAAAAAAAAAAAAAAAAAAAAAAAAAAAAAJ/f38AAAAAA8zMzADAwP8Af39/AAAAAAAAAAAAAAAAAAAAAAAAAAAAIQAAABgAAAAUAAAAwAMAABsnAAA/FQAAWSkAABAAAAAmAAAACAAAAAAAAAAAAAAAMAAAABQAAAAAAAAAAAD//wAAAQAAAP//AAABAA=="/>
+                <pr:smNativeData xmlns:pr="smNativeData" xmlns="smNativeData" val="SMDATA_16_a8OGZxMAAAAlAAAAZAAAAA8BAAAAkAAAAEgAAACQAAAASAAAAAAAAAABAAAAAAAAAAEAAABQAAAAAAAAAAAA4D8AAAAAAADgPwAAAAAAAOA/AAAAAAAA4D8AAAAAAADgPwAAAAAAAOA/AAAAAAAA4D8AAAAAAADgPwAAAAAAAOA/AAAAAAAA4D8CAAAAjAAAAAAAAAAAAAAAu+DjDP///wgAAAAAAAAAAAAAAAAAAAAAAAAAAAAAAAAAAAAAZAAAAAEAAABAAAAAAAAAAAAAAAAAAAAAAAAAAAAAAAAAAAAAAAAAAAAAAAAAAAAAAAAAAAAAAAAAAAAAAAAAAAAAAAAAAAAAAAAAAAAAAAAAAAAAAAAAAAAAAAAAAAAAFAAAADwAAAAAAAAAAAAAAAAAAAkUAAAAAQAAABQAAAAUAAAAFAAAAAEAAAAAAAAAZAAAAGQAAAAAAAAAZAAAAGQAAAAVAAAAYAAAAAAAAAAAAAAADwAAACADAAAAAAAAAAAAAAEAAACgMgAAVgcAAKr4//8BAAAAf39/AAEAAABkAAAAAAAAABQAAABAHwAAAAAAACYAAAAAAAAAwOD//wAAAAAmAAAAZAAAABYAAABMAAAAAAAAAAAAAAAEAAAAAAAAAAEAAACAgIAKAAAAACgAAAAoAAAAZAAAAGQAAAAAAAAAzMzMAAAAAABQAAAAUAAAAGQAAABkAAAAAAAAABcAAAAUAAAAAAAAAAAAAAD/fwAA/38AAAAAAAAJAAAABAAAAAAAAAAeAAAAaAAAAAAAAAAAAAAAAAAAAAAAAAAAAAAAECcAABAnAAAAAAAAAAAAAAAAAAAAAAAAAAAAAAAAAAAAAAAAAAAAABQAAAAAAAAAwMD/AAAAAABkAAAAMgAAAAAAAABkAAAAAAAAAH9/fwAKAAAAIgAAABgAAAAAAAAAAAAAAAAAAAAAAAAAAAAAAAAAAAAkAAAAJAAAAAAAAAAHAAAAAAAAAAAAAAAAAAAAAAAAAAAAAAAAAAAAf39/ACUAAABYAAAAAAAAAAAAAAAAAAAAAAAAAAAAAAAAAAAAAAAAAAAAAAAAAAAAAAAAAAAAAAA/AAAAAAAAAKCGAQAAAAAAAAAAAAAAAAAMAAAAAQAAAAAAAAAAAAAAAAAAAB8AAABUAAAAAAAABQAAAAEAAAAAAAAAAAAAAAAAAAAAAAAAAAAAAAAAAAAAAAAAAAAAAAJ/f38AAAAAA8zMzADAwP8Af39/AAAAAAAAAAAAAAAAAAAAAAAAAAAAIQAAABgAAAAUAAAAwAMAABsnAAA/FQAAWSkAABAAAAAmAAAACAAAAAAAAAAAAAAAMAAAABQAAAAAAAAAAAD//wAAAQAAAP//AAABAA=="/>
               </a:ext>
             </a:extLst>
           </p:cNvSpPr>
@@ -2410,7 +2410,7 @@
           <a:lstStyle/>
           <a:p>
             <a:pPr/>
-            <a:fld id="{3D966495-DBD0-C392-9E2E-2DC72A606878}" type="datetime1">
+            <a:fld id="{3C728675-3BD1-2770-9FCA-CD25C8846998}" type="datetime1">
               <a:t/>
             </a:fld>
           </a:p>
@@ -2423,7 +2423,7 @@
             <a:spLocks noGrp="1" noChangeArrowheads="1"/>
             <a:extLst>
               <a:ext uri="smNativeData">
-                <pr:smNativeData xmlns:pr="smNativeData" xmlns="smNativeData" val="SMDATA_16_PryGZxMAAAAlAAAAZAAAAA8BAAAAkAAAAEgAAACQAAAASAAAAAAAAAABAAAAAAAAAAEAAABQAAAAAAAAAAAA4D8AAAAAAADgPwAAAAAAAOA/AAAAAAAA4D8AAAAAAADgPwAAAAAAAOA/AAAAAAAA4D8AAAAAAADgPwAAAAAAAOA/AAAAAAAA4D8CAAAAjAAAAAAAAAAAAAAAu+DjDP///wgAAAAAAAAAAAAAAAAAAAAAAAAAAAAAAAAAAAAAZAAAAAEAAABAAAAAAAAAAAAAAAAAAAAAAAAAAAAAAAAAAAAAAAAAAAAAAAAAAAAAAAAAAAAAAAAAAAAAAAAAAAAAAAAAAAAAAAAAAAAAAAAAAAAAAAAAAAAAAAAAAAAAFAAAADwAAAAAAAAAAAAAAAAAAAkUAAAAAQAAABQAAAAUAAAAFAAAAAEAAAAAAAAAZAAAAGQAAAAAAAAAZAAAAGQAAAAVAAAAYAAAAAAAAAAAAAAADwAAACADAAAAAAAAAAAAAAEAAACgMgAAVgcAAKr4//8BAAAAf39/AAEAAABkAAAAAAAAABQAAABAHwAAAAAAACYAAAAAAAAAwOD//wAAAAAmAAAAZAAAABYAAABMAAAAAAAAAAAAAAAEAAAAAAAAAAEAAACAgIAKAAAAACgAAAAoAAAAZAAAAGQAAAAAAAAAzMzMAAAAAABQAAAAUAAAAGQAAABkAAAAAAAAABcAAAAUAAAAAAAAAAAAAAD/fwAA/38AAAAAAAAJAAAABAAAAHNwY0IeAAAAaAAAAAAAAAAAAAAAAAAAAAAAAAAAAAAAECcAABAnAAAAAAAAAAAAAAAAAAAAAAAAAAAAAAAAAAAAAAAAAAAAABQAAAAAAAAAwMD/AAAAAABkAAAAMgAAAAAAAABkAAAAAAAAAH9/fwAKAAAAIgAAABgAAAAAAAAAAAAAAAAAAAAAAAAAAAAAAAAAAAAkAAAAJAAAAAAAAAAHAAAAAAAAAAAAAAAAAAAAAAAAAAAAAAAAAAAAf39/ACUAAABYAAAAAAAAAAAAAAAAAAAAAAAAAAAAAAAAAAAAAAAAAAAAAAAAAAAAAAAAAAAAAAA/AAAAAAAAAKCGAQAAAAAAAAAAAAAAAAAMAAAAAQAAAAAAAAAAAAAAAAAAAB8AAABUAAAAAAAABQAAAAEAAAAAAAAAAAAAAAAAAAAAAAAAAAAAAAAAAAAAAAAAAAAAAAJ/f38AAAAAA8zMzADAwP8Af39/AAAAAAAAAAAAAAAAAAAAAAAAAAAAIQAAABgAAAAUAAAAoRkAABsnAABfMQAAWSkAABAAAAAmAAAACAAAAAAAAAAAAAAAMAAAABQAAAAAAAAAAAD//wAAAQAAAP//AAABAA=="/>
+                <pr:smNativeData xmlns:pr="smNativeData" xmlns="smNativeData" val="SMDATA_16_a8OGZxMAAAAlAAAAZAAAAA8BAAAAkAAAAEgAAACQAAAASAAAAAAAAAABAAAAAAAAAAEAAABQAAAAAAAAAAAA4D8AAAAAAADgPwAAAAAAAOA/AAAAAAAA4D8AAAAAAADgPwAAAAAAAOA/AAAAAAAA4D8AAAAAAADgPwAAAAAAAOA/AAAAAAAA4D8CAAAAjAAAAAAAAAAAAAAAu+DjDP///wgAAAAAAAAAAAAAAAAAAAAAAAAAAAAAAAAAAAAAZAAAAAEAAABAAAAAAAAAAAAAAAAAAAAAAAAAAAAAAAAAAAAAAAAAAAAAAAAAAAAAAAAAAAAAAAAAAAAAAAAAAAAAAAAAAAAAAAAAAAAAAAAAAAAAAAAAAAAAAAAAAAAAFAAAADwAAAAAAAAAAAAAAAAAAAkUAAAAAQAAABQAAAAUAAAAFAAAAAEAAAAAAAAAZAAAAGQAAAAAAAAAZAAAAGQAAAAVAAAAYAAAAAAAAAAAAAAADwAAACADAAAAAAAAAAAAAAEAAACgMgAAVgcAAKr4//8BAAAAf39/AAEAAABkAAAAAAAAABQAAABAHwAAAAAAACYAAAAAAAAAwOD//wAAAAAmAAAAZAAAABYAAABMAAAAAAAAAAAAAAAEAAAAAAAAAAEAAACAgIAKAAAAACgAAAAoAAAAZAAAAGQAAAAAAAAAzMzMAAAAAABQAAAAUAAAAGQAAABkAAAAAAAAABcAAAAUAAAAAAAAAAAAAAD/fwAA/38AAAAAAAAJAAAABAAAAHNwY0IeAAAAaAAAAAAAAAAAAAAAAAAAAAAAAAAAAAAAECcAABAnAAAAAAAAAAAAAAAAAAAAAAAAAAAAAAAAAAAAAAAAAAAAABQAAAAAAAAAwMD/AAAAAABkAAAAMgAAAAAAAABkAAAAAAAAAH9/fwAKAAAAIgAAABgAAAAAAAAAAAAAAAAAAAAAAAAAAAAAAAAAAAAkAAAAJAAAAAAAAAAHAAAAAAAAAAAAAAAAAAAAAAAAAAAAAAAAAAAAf39/ACUAAABYAAAAAAAAAAAAAAAAAAAAAAAAAAAAAAAAAAAAAAAAAAAAAAAAAAAAAAAAAAAAAAA/AAAAAAAAAKCGAQAAAAAAAAAAAAAAAAAMAAAAAQAAAAAAAAAAAAAAAAAAAB8AAABUAAAAAAAABQAAAAEAAAAAAAAAAAAAAAAAAAAAAAAAAAAAAAAAAAAAAAAAAAAAAAJ/f38AAAAAA8zMzADAwP8Af39/AAAAAAAAAAAAAAAAAAAAAAAAAAAAIQAAABgAAAAUAAAAoRkAABsnAABfMQAAWSkAABAAAAAmAAAACAAAAAAAAAAAAAAAMAAAABQAAAAAAAAAAAD//wAAAQAAAP//AAABAA=="/>
               </a:ext>
             </a:extLst>
           </p:cNvSpPr>
@@ -2447,7 +2447,7 @@
             <a:spLocks noGrp="1" noChangeArrowheads="1"/>
             <a:extLst>
               <a:ext uri="smNativeData">
-                <pr:smNativeData xmlns:pr="smNativeData" xmlns="smNativeData" val="SMDATA_16_PryGZxMAAAAlAAAAZAAAAA8BAAAAkAAAAEgAAACQAAAASAAAAAAAAAABAAAAAAAAAAEAAABQAAAAAAAAAAAA4D8AAAAAAADgPwAAAAAAAOA/AAAAAAAA4D8AAAAAAADgPwAAAAAAAOA/AAAAAAAA4D8AAAAAAADgPwAAAAAAAOA/AAAAAAAA4D8CAAAAjAAAAAAAAAAAAAAAu+DjDP///wgAAAAAAAAAAAAAAAAAAAAAAAAAAAAAAAAAAAAAZAAAAAEAAABAAAAAAAAAAAAAAAAAAAAAAAAAAAAAAAAAAAAAAAAAAAAAAAAAAAAAAAAAAAAAAAAAAAAAAAAAAAAAAAAAAAAAAAAAAAAAAAAAAAAAAAAAAAAAAAAAAAAAFAAAADwAAAAAAAAAAAAAAAAAAAkUAAAAAQAAABQAAAAUAAAAFAAAAAEAAAAAAAAAZAAAAGQAAAAAAAAAZAAAAGQAAAAVAAAAYAAAAAAAAAAAAAAADwAAACADAAAAAAAAAAAAAAEAAACgMgAAVgcAAKr4//8BAAAAf39/AAEAAABkAAAAAAAAABQAAABAHwAAAAAAACYAAAAAAAAAwOD//wAAAAAmAAAAZAAAABYAAABMAAAAAAAAAAAAAAAEAAAAAAAAAAEAAACAgIAKAAAAACgAAAAoAAAAZAAAAGQAAAAAAAAAzMzMAAAAAABQAAAAUAAAAGQAAABkAAAAAAAAABcAAAAUAAAAAAAAAAAAAAD/fwAA/38AAAAAAAAJAAAABAAAAAAAAAAeAAAAaAAAAAAAAAAAAAAAAAAAAAAAAAAAAAAAECcAABAnAAAAAAAAAAAAAAAAAAAAAAAAAAAAAAAAAAAAAAAAAAAAABQAAAAAAAAAwMD/AAAAAABkAAAAMgAAAAAAAABkAAAAAAAAAH9/fwAKAAAAIgAAABgAAAAAAAAAAAAAAAAAAAAAAAAAAAAAAAAAAAAkAAAAJAAAAAAAAAAHAAAAAAAAAAAAAAAAAAAAAAAAAAAAAAAAAAAAf39/ACUAAABYAAAAAAAAAAAAAAAAAAAAAAAAAAAAAAAAAAAAAAAAAAAAAAAAAAAAAAAAAAAAAAA/AAAAAAAAAKCGAQAAAAAAAAAAAAAAAAAMAAAAAQAAAAAAAAAAAAAAAAAAAB8AAABUAAAAAAAABQAAAAEAAAAAAAAAAAAAAAAAAAAAAAAAAAAAAAAAAAAAAAAAAAAAAAJ/f38AAAAAA8zMzADAwP8Af39/AAAAAAAAAAAAAAAAAAAAAAAAAAAAIQAAABgAAAAUAAAAwTUAABsnAABARwAAWSkAABAAAAAmAAAACAAAAAAAAAAAAAAAMAAAABQAAAAAAAAAAAD//wAAAQAAAP//AAABAA=="/>
+                <pr:smNativeData xmlns:pr="smNativeData" xmlns="smNativeData" val="SMDATA_16_a8OGZxMAAAAlAAAAZAAAAA8BAAAAkAAAAEgAAACQAAAASAAAAAAAAAABAAAAAAAAAAEAAABQAAAAAAAAAAAA4D8AAAAAAADgPwAAAAAAAOA/AAAAAAAA4D8AAAAAAADgPwAAAAAAAOA/AAAAAAAA4D8AAAAAAADgPwAAAAAAAOA/AAAAAAAA4D8CAAAAjAAAAAAAAAAAAAAAu+DjDP///wgAAAAAAAAAAAAAAAAAAAAAAAAAAAAAAAAAAAAAZAAAAAEAAABAAAAAAAAAAAAAAAAAAAAAAAAAAAAAAAAAAAAAAAAAAAAAAAAAAAAAAAAAAAAAAAAAAAAAAAAAAAAAAAAAAAAAAAAAAAAAAAAAAAAAAAAAAAAAAAAAAAAAFAAAADwAAAAAAAAAAAAAAAAAAAkUAAAAAQAAABQAAAAUAAAAFAAAAAEAAAAAAAAAZAAAAGQAAAAAAAAAZAAAAGQAAAAVAAAAYAAAAAAAAAAAAAAADwAAACADAAAAAAAAAAAAAAEAAACgMgAAVgcAAKr4//8BAAAAf39/AAEAAABkAAAAAAAAABQAAABAHwAAAAAAACYAAAAAAAAAwOD//wAAAAAmAAAAZAAAABYAAABMAAAAAAAAAAAAAAAEAAAAAAAAAAEAAACAgIAKAAAAACgAAAAoAAAAZAAAAGQAAAAAAAAAzMzMAAAAAABQAAAAUAAAAGQAAABkAAAAAAAAABcAAAAUAAAAAAAAAAAAAAD/fwAA/38AAAAAAAAJAAAABAAAAAAAAAAeAAAAaAAAAAAAAAAAAAAAAAAAAAAAAAAAAAAAECcAABAnAAAAAAAAAAAAAAAAAAAAAAAAAAAAAAAAAAAAAAAAAAAAABQAAAAAAAAAwMD/AAAAAABkAAAAMgAAAAAAAABkAAAAAAAAAH9/fwAKAAAAIgAAABgAAAAAAAAAAAAAAAAAAAAAAAAAAAAAAAAAAAAkAAAAJAAAAAAAAAAHAAAAAAAAAAAAAAAAAAAAAAAAAAAAAAAAAAAAf39/ACUAAABYAAAAAAAAAAAAAAAAAAAAAAAAAAAAAAAAAAAAAAAAAAAAAAAAAAAAAAAAAAAAAAA/AAAAAAAAAKCGAQAAAAAAAAAAAAAAAAAMAAAAAQAAAAAAAAAAAAAAAAAAAB8AAABUAAAAAAAABQAAAAEAAAAAAAAAAAAAAAAAAAAAAAAAAAAAAAAAAAAAAAAAAAAAAAJ/f38AAAAAA8zMzADAwP8Af39/AAAAAAAAAAAAAAAAAAAAAAAAAAAAIQAAABgAAAAUAAAAwTUAABsnAABARwAAWSkAABAAAAAmAAAACAAAAAAAAAAAAAAAMAAAABQAAAAAAAAAAAD//wAAAQAAAP//AAABAA=="/>
               </a:ext>
             </a:extLst>
           </p:cNvSpPr>
@@ -2461,7 +2461,7 @@
           <a:lstStyle/>
           <a:p>
             <a:pPr/>
-            <a:fld id="{3D960FCE-80D0-C3F9-9E2E-76AC41606823}" type="slidenum">
+            <a:fld id="{3C72E005-4BD1-2716-9FCA-BD43AE8469E8}" type="slidenum">
               <a:t/>
             </a:fld>
           </a:p>
@@ -2500,7 +2500,7 @@
             <a:spLocks noGrp="1" noChangeArrowheads="1"/>
             <a:extLst>
               <a:ext uri="smNativeData">
-                <pr:smNativeData xmlns:pr="smNativeData" xmlns="smNativeData" val="SMDATA_16_PryGZxMAAAAlAAAAZAAAAA8BAAAAkAAAAEgAAACQAAAASAAAAAAAAAACAAAAAAAAAAEAAABQAAAAAAAAAAAA4D8AAAAAAADgPwAAAAAAAOA/AAAAAAAA4D8AAAAAAADgPwAAAAAAAOA/AAAAAAAA4D8AAAAAAADgPwAAAAAAAOA/AAAAAAAA4D8CAAAAjAAAAAAAAAAAAAAAu+DjDP///wgAAAAAAAAAAAAAAAAAAAAAAAAAAAAAAAAAAAAAZAAAAAEAAABAAAAAAAAAAAAAAAAAAAAAAAAAAAAAAAAAAAAAAAAAAAAAAAAAAAAAAAAAAAAAAAAAAAAAAAAAAAAAAAAAAAAAAAAAAAAAAAAAAAAAAAAAAAAAAAAAAAAAFAAAADwAAAAAAAAAAAAAAAAAAAkUAAAAAQAAABQAAAAUAAAAFAAAAAEAAAAAAAAAZAAAAGQAAAAAAAAAZAAAAGQAAAAVAAAAYAAAAAAAAAAAAAAADwAAACADAAAAAAAAAAAAAAEAAACgMgAAVgcAAKr4//8BAAAAf39/AAEAAABkAAAAAAAAABQAAABAHwAAAAAAACYAAAAAAAAAwOD//wAAAAAmAAAAZAAAABYAAABMAAAAAAAAAAAAAAAEAAAAAAAAAAEAAACAgIAKAAAAACgAAAAoAAAAZAAAAGQAAAAAAAAAzMzMAAAAAABQAAAAUAAAAGQAAABkAAAAAAAAABcAAAAUAAAAAAAAAAAAAAD/fwAA/38AAAAAAAAJAAAABAAAAAAAAAAeAAAAaAAAAAAAAAAAAAAAAAAAAAAAAAAAAAAAECcAABAnAAAAAAAAAAAAAAAAAAAAAAAAAAAAAAAAAAAAAAAAAAAAABQAAAAAAAAAwMD/AAAAAABkAAAAMgAAAAAAAABkAAAAAAAAAH9/fwAKAAAAIgAAABgAAAAAAAAAAAAAAAAAAAAAAAAAAAAAAAAAAAAkAAAAJAAAAAAAAAAHAAAAAAAAAAAAAAAAAAAAAAAAAAAAAAAAAAAAf39/ACUAAABYAAAAAAAAAAAAAAAAAAAAAAAAAAAAAAAAAAAAAAAAAAAAAAAAAAAAAAAAAAAAAAA/AAAAAAAAAKCGAQAAAAAAAAAAAAAAAAAMAAAAAQAAAAAAAAAAAAAAAAAAAB8AAABUAAAAAAAABQAAAAEAAAAAAAAAAAAAAAAAAAAAAAAAAAAAAAAAAAAAAAAAAAAAAAJ/f38AAAAAA8zMzADAwP8Af39/AAAAAAAAAAAAAAAAAAAAAAAAAAAAIQAAABgAAAAUAAAAsw4AAIgdAACzOwAABCEAABAAAAAmAAAACAAAAIGAAAAAAAAAMAAAABQAAAAAAAAAAAD//wAAAQAAAP//AAABAA=="/>
+                <pr:smNativeData xmlns:pr="smNativeData" xmlns="smNativeData" val="SMDATA_16_a8OGZxMAAAAlAAAAZAAAAA8BAAAAkAAAAEgAAACQAAAASAAAAAAAAAACAAAAAAAAAAEAAABQAAAAAAAAAAAA4D8AAAAAAADgPwAAAAAAAOA/AAAAAAAA4D8AAAAAAADgPwAAAAAAAOA/AAAAAAAA4D8AAAAAAADgPwAAAAAAAOA/AAAAAAAA4D8CAAAAjAAAAAAAAAAAAAAAu+DjDP///wgAAAAAAAAAAAAAAAAAAAAAAAAAAAAAAAAAAAAAZAAAAAEAAABAAAAAAAAAAAAAAAAAAAAAAAAAAAAAAAAAAAAAAAAAAAAAAAAAAAAAAAAAAAAAAAAAAAAAAAAAAAAAAAAAAAAAAAAAAAAAAAAAAAAAAAAAAAAAAAAAAAAAFAAAADwAAAAAAAAAAAAAAAAAAAkUAAAAAQAAABQAAAAUAAAAFAAAAAEAAAAAAAAAZAAAAGQAAAAAAAAAZAAAAGQAAAAVAAAAYAAAAAAAAAAAAAAADwAAACADAAAAAAAAAAAAAAEAAACgMgAAVgcAAKr4//8BAAAAf39/AAEAAABkAAAAAAAAABQAAABAHwAAAAAAACYAAAAAAAAAwOD//wAAAAAmAAAAZAAAABYAAABMAAAAAAAAAAAAAAAEAAAAAAAAAAEAAACAgIAKAAAAACgAAAAoAAAAZAAAAGQAAAAAAAAAzMzMAAAAAABQAAAAUAAAAGQAAABkAAAAAAAAABcAAAAUAAAAAAAAAAAAAAD/fwAA/38AAAAAAAAJAAAABAAAAAAAAAAeAAAAaAAAAAAAAAAAAAAAAAAAAAAAAAAAAAAAECcAABAnAAAAAAAAAAAAAAAAAAAAAAAAAAAAAAAAAAAAAAAAAAAAABQAAAAAAAAAwMD/AAAAAABkAAAAMgAAAAAAAABkAAAAAAAAAH9/fwAKAAAAIgAAABgAAAAAAAAAAAAAAAAAAAAAAAAAAAAAAAAAAAAkAAAAJAAAAAAAAAAHAAAAAAAAAAAAAAAAAAAAAAAAAAAAAAAAAAAAf39/ACUAAABYAAAAAAAAAAAAAAAAAAAAAAAAAAAAAAAAAAAAAAAAAAAAAAAAAAAAAAAAAAAAAAA/AAAAAAAAAKCGAQAAAAAAAAAAAAAAAAAMAAAAAQAAAAAAAAAAAAAAAAAAAB8AAABUAAAAAAAABQAAAAEAAAAAAAAAAAAAAAAAAAAAAAAAAAAAAAAAAAAAAAAAAAAAAAJ/f38AAAAAA8zMzADAwP8Af39/AAAAAAAAAAAAAAAAAAAAAAAAAAAAIQAAABgAAAAUAAAAsw4AAIgdAACzOwAABCEAABAAAAAmAAAACAAAAIGAAAAAAAAAMAAAABQAAAAAAAAAAAD//wAAAQAAAP//AAABAA=="/>
               </a:ext>
             </a:extLst>
           </p:cNvSpPr>
@@ -2540,7 +2540,7 @@
             <a:spLocks noGrp="1" noChangeArrowheads="1"/>
             <a:extLst>
               <a:ext uri="smNativeData">
-                <pr:smNativeData xmlns:pr="smNativeData" xmlns="smNativeData" val="SMDATA_16_PryGZxMAAAAlAAAAZAAAAA8BAAAAkAAAAEgAAACQAAAASAAAAAAAAAAAAAAAAAAAAAEAAABQAAAAAAAAAAAA4D8AAAAAAADgPwAAAAAAAOA/AAAAAAAA4D8AAAAAAADgPwAAAAAAAOA/AAAAAAAA4D8AAAAAAADgPwAAAAAAAOA/AAAAAAAA4D8CAAAAjAAAAAAAAAAAAAAAu+DjDP///wgAAAAAAAAAAAAAAAAAAAAAAAAAAAAAAAAAAAAAZAAAAAEAAABAAAAAAAAAAAAAAAAAAAAAAAAAAAAAAAAAAAAAAAAAAAAAAAAAAAAAAAAAAAAAAAAAAAAAAAAAAAAAAAAAAAAAAAAAAAAAAAAAAAAAAAAAAAAAAAAAAAAAFAAAADwAAAAAAAAAAAAAAAAAAAkUAAAAAQAAABQAAAAUAAAAFAAAAAEAAAAAAAAAZAAAAGQAAAAAAAAAZAAAAGQAAAAVAAAAYAAAAAAAAAAAAAAADwAAACADAAAAAAAAAAAAAAEAAACgMgAAVgcAAKr4//8BAAAAf39/AAEAAABkAAAAAAAAABQAAABAHwAAAAAAACYAAAAAAAAAwOD//wAAAAAmAAAAZAAAABYAAABMAAAAAAAAAAAAAAAEAAAAAAAAAAEAAACAgIAKAAAAACgAAAAoAAAAZAAAAGQAAAAAAAAAzMzMAAAAAABQAAAAUAAAAGQAAABkAAAAAAAAABcAAAAUAAAAAAAAAAAAAAD/fwAA/38AAAAAAAAJAAAABAAAAAAAAAAeAAAAaAAAAAAAAAAAAAAAAAAAAAAAAAAAAAAAECcAABAnAAAAAAAAAAAAAAAAAAAAAAAAAAAAAAAAAAAAAAAAAAAAABQAAAAAAAAAwMD/AAAAAABkAAAAMgAAAAAAAABkAAAAAAAAAH9/fwAKAAAAIgAAABgAAAAAAAAAAAAAAAAAAAAAAAAAAAAAAAAAAAAkAAAAJAAAAAAAAAAHAAAAAAAAAAAAAAAAAAAAAAAAAAAAAAAAAAAAf39/ACUAAABYAAAAAAAAAAAAAAAAAAAAAAAAAAAAAAAAAAAAAAAAAAAAAAAAAAAAAAAAAAAAAAA/AAAAAAAAAKCGAQAAAAAAAAAAAAAAAAAMAAAAAQAAAAAAAAAAAAAAAAAAAB8AAABUAAAAAAAABQAAAAEAAAAAAAAAAAAAAAAAAAAAAAAAAAAAAAAAAAAAAAAAAAAAAAJ/f38AAAAAA8zMzADAwP8Af39/AAAAAAAAAAAAAAAAAAAAAAAAAAAAIQAAABgAAAAUAAAAsw4AAMYDAACzOwAAFh0AABAAAAAmAAAACAAAAAGAAAAAAAAAMAAAABQAAAAAAAAAAAD//wAAAQAAAP//AAABAA=="/>
+                <pr:smNativeData xmlns:pr="smNativeData" xmlns="smNativeData" val="SMDATA_16_a8OGZxMAAAAlAAAAZAAAAA8BAAAAkAAAAEgAAACQAAAASAAAAAAAAAAAAAAAAAAAAAEAAABQAAAAAAAAAAAA4D8AAAAAAADgPwAAAAAAAOA/AAAAAAAA4D8AAAAAAADgPwAAAAAAAOA/AAAAAAAA4D8AAAAAAADgPwAAAAAAAOA/AAAAAAAA4D8CAAAAjAAAAAAAAAAAAAAAu+DjDP///wgAAAAAAAAAAAAAAAAAAAAAAAAAAAAAAAAAAAAAZAAAAAEAAABAAAAAAAAAAAAAAAAAAAAAAAAAAAAAAAAAAAAAAAAAAAAAAAAAAAAAAAAAAAAAAAAAAAAAAAAAAAAAAAAAAAAAAAAAAAAAAAAAAAAAAAAAAAAAAAAAAAAAFAAAADwAAAAAAAAAAAAAAAAAAAkUAAAAAQAAABQAAAAUAAAAFAAAAAEAAAAAAAAAZAAAAGQAAAAAAAAAZAAAAGQAAAAVAAAAYAAAAAAAAAAAAAAADwAAACADAAAAAAAAAAAAAAEAAACgMgAAVgcAAKr4//8BAAAAf39/AAEAAABkAAAAAAAAABQAAABAHwAAAAAAACYAAAAAAAAAwOD//wAAAAAmAAAAZAAAABYAAABMAAAAAAAAAAAAAAAEAAAAAAAAAAEAAACAgIAKAAAAACgAAAAoAAAAZAAAAGQAAAAAAAAAzMzMAAAAAABQAAAAUAAAAGQAAABkAAAAAAAAABcAAAAUAAAAAAAAAAAAAAD/fwAA/38AAAAAAAAJAAAABAAAAAAAAAAeAAAAaAAAAAAAAAAAAAAAAAAAAAAAAAAAAAAAECcAABAnAAAAAAAAAAAAAAAAAAAAAAAAAAAAAAAAAAAAAAAAAAAAABQAAAAAAAAAwMD/AAAAAABkAAAAMgAAAAAAAABkAAAAAAAAAH9/fwAKAAAAIgAAABgAAAAAAAAAAAAAAAAAAAAAAAAAAAAAAAAAAAAkAAAAJAAAAAAAAAAHAAAAAAAAAAAAAAAAAAAAAAAAAAAAAAAAAAAAf39/ACUAAABYAAAAAAAAAAAAAAAAAAAAAAAAAAAAAAAAAAAAAAAAAAAAAAAAAAAAAAAAAAAAAAA/AAAAAAAAAKCGAQAAAAAAAAAAAAAAAAAMAAAAAQAAAAAAAAAAAAAAAAAAAB8AAABUAAAAAAAABQAAAAEAAAAAAAAAAAAAAAAAAAAAAAAAAAAAAAAAAAAAAAAAAAAAAAJ/f38AAAAAA8zMzADAwP8Af39/AAAAAAAAAAAAAAAAAAAAAAAAAAAAIQAAABgAAAAUAAAAsw4AAMYDAACzOwAAFh0AABAAAAAmAAAACAAAAAGAAAAAAAAAMAAAABQAAAAAAAAAAAD//wAAAQAAAP//AAABAA=="/>
               </a:ext>
             </a:extLst>
           </p:cNvSpPr>
@@ -2609,7 +2609,7 @@
             <a:spLocks noGrp="1" noChangeArrowheads="1"/>
             <a:extLst>
               <a:ext uri="smNativeData">
-                <pr:smNativeData xmlns:pr="smNativeData" xmlns="smNativeData" val="SMDATA_16_PryGZxMAAAAlAAAAZAAAAA8BAAAAkAAAAEgAAACQAAAASAAAAAAAAAAAAAAAAAAAAAEAAABQAAAAAAAAAAAA4D8AAAAAAADgPwAAAAAAAOA/AAAAAAAA4D8AAAAAAADgPwAAAAAAAOA/AAAAAAAA4D8AAAAAAADgPwAAAAAAAOA/AAAAAAAA4D8CAAAAjAAAAAAAAAAAAAAAu+DjDP///wgAAAAAAAAAAAAAAAAAAAAAAAAAAAAAAAAAAAAAZAAAAAEAAABAAAAAAAAAAAAAAAAAAAAAAAAAAAAAAAAAAAAAAAAAAAAAAAAAAAAAAAAAAAAAAAAAAAAAAAAAAAAAAAAAAAAAAAAAAAAAAAAAAAAAAAAAAAAAAAAAAAAAFAAAADwAAAAAAAAAAAAAAAAAAAkUAAAAAQAAABQAAAAUAAAAFAAAAAEAAAAAAAAAZAAAAGQAAAAAAAAAZAAAAGQAAAAVAAAAYAAAAAAAAAAAAAAADwAAACADAAAAAAAAAAAAAAEAAACgMgAAVgcAAKr4//8BAAAAf39/AAEAAABkAAAAAAAAABQAAABAHwAAAAAAACYAAAAAAAAAwOD//wAAAAAmAAAAZAAAABYAAABMAAAAAAAAAAAAAAAEAAAAAAAAAAEAAACAgIAKAAAAACgAAAAoAAAAZAAAAGQAAAAAAAAAzMzMAAAAAABQAAAAUAAAAGQAAABkAAAAAAAAABcAAAAUAAAAAAAAAAAAAAD/fwAA/38AAAAAAAAJAAAABAAAAAAAAAAeAAAAaAAAAAAAAAAAAAAAAAAAAAAAAAAAAAAAECcAABAnAAAAAAAAAAAAAAAAAAAAAAAAAAAAAAAAAAAAAAAAAAAAABQAAAAAAAAAwMD/AAAAAABkAAAAMgAAAAAAAABkAAAAAAAAAH9/fwAKAAAAIgAAABgAAAAAAAAAAAAAAAAAAAAAAAAAAAAAAAAAAAAkAAAAJAAAAAAAAAAHAAAAAAAAAAAAAAAAAAAAAAAAAAAAAAAAAAAAf39/ACUAAABYAAAAAAAAAAAAAAAAAAAAAAAAAAAAAAAAAAAAAAAAAAAAAAAAAAAAAAAAAAAAAAA/AAAAAAAAAKCGAQAAAAAAAAAAAAAAAAAMAAAAAQAAAAAAAAAAAAAAAAAAAB8AAABUAAAAAAAABQAAAAEAAAAAAAAAAAAAAAAAAAAAAAAAAAAAAAAAAAAAAAAAAAAAAAJ/f38AAAAAA8zMzADAwP8Af39/AAAAAAAAAAAAAAAAAAAAAAAAAAAAIQAAABgAAAAUAAAAsw4AAAQhAACzOwAA+CUAABAAAAAmAAAACAAAAAGAAAAAAAAAMAAAABQAAAAAAAAAAAD//wAAAQAAAP//AAABAA=="/>
+                <pr:smNativeData xmlns:pr="smNativeData" xmlns="smNativeData" val="SMDATA_16_a8OGZxMAAAAlAAAAZAAAAA8BAAAAkAAAAEgAAACQAAAASAAAAAAAAAAAAAAAAAAAAAEAAABQAAAAAAAAAAAA4D8AAAAAAADgPwAAAAAAAOA/AAAAAAAA4D8AAAAAAADgPwAAAAAAAOA/AAAAAAAA4D8AAAAAAADgPwAAAAAAAOA/AAAAAAAA4D8CAAAAjAAAAAAAAAAAAAAAu+DjDP///wgAAAAAAAAAAAAAAAAAAAAAAAAAAAAAAAAAAAAAZAAAAAEAAABAAAAAAAAAAAAAAAAAAAAAAAAAAAAAAAAAAAAAAAAAAAAAAAAAAAAAAAAAAAAAAAAAAAAAAAAAAAAAAAAAAAAAAAAAAAAAAAAAAAAAAAAAAAAAAAAAAAAAFAAAADwAAAAAAAAAAAAAAAAAAAkUAAAAAQAAABQAAAAUAAAAFAAAAAEAAAAAAAAAZAAAAGQAAAAAAAAAZAAAAGQAAAAVAAAAYAAAAAAAAAAAAAAADwAAACADAAAAAAAAAAAAAAEAAACgMgAAVgcAAKr4//8BAAAAf39/AAEAAABkAAAAAAAAABQAAABAHwAAAAAAACYAAAAAAAAAwOD//wAAAAAmAAAAZAAAABYAAABMAAAAAAAAAAAAAAAEAAAAAAAAAAEAAACAgIAKAAAAACgAAAAoAAAAZAAAAGQAAAAAAAAAzMzMAAAAAABQAAAAUAAAAGQAAABkAAAAAAAAABcAAAAUAAAAAAAAAAAAAAD/fwAA/38AAAAAAAAJAAAABAAAAAAAAAAeAAAAaAAAAAAAAAAAAAAAAAAAAAAAAAAAAAAAECcAABAnAAAAAAAAAAAAAAAAAAAAAAAAAAAAAAAAAAAAAAAAAAAAABQAAAAAAAAAwMD/AAAAAABkAAAAMgAAAAAAAABkAAAAAAAAAH9/fwAKAAAAIgAAABgAAAAAAAAAAAAAAAAAAAAAAAAAAAAAAAAAAAAkAAAAJAAAAAAAAAAHAAAAAAAAAAAAAAAAAAAAAAAAAAAAAAAAAAAAf39/ACUAAABYAAAAAAAAAAAAAAAAAAAAAAAAAAAAAAAAAAAAAAAAAAAAAAAAAAAAAAAAAAAAAAA/AAAAAAAAAKCGAQAAAAAAAAAAAAAAAAAMAAAAAQAAAAAAAAAAAAAAAAAAAB8AAABUAAAAAAAABQAAAAEAAAAAAAAAAAAAAAAAAAAAAAAAAAAAAAAAAAAAAAAAAAAAAAJ/f38AAAAAA8zMzADAwP8Af39/AAAAAAAAAAAAAAAAAAAAAAAAAAAAIQAAABgAAAAUAAAAsw4AAAQhAACzOwAA+CUAABAAAAAmAAAACAAAAAGAAAAAAAAAMAAAABQAAAAAAAAAAAD//wAAAQAAAP//AAABAA=="/>
               </a:ext>
             </a:extLst>
           </p:cNvSpPr>
@@ -2678,7 +2678,7 @@
             <a:spLocks noGrp="1" noChangeArrowheads="1"/>
             <a:extLst>
               <a:ext uri="smNativeData">
-                <pr:smNativeData xmlns:pr="smNativeData" xmlns="smNativeData" val="SMDATA_16_PryGZxMAAAAlAAAAZAAAAA8BAAAAkAAAAEgAAACQAAAASAAAAAAAAAABAAAAAAAAAAEAAABQAAAAAAAAAAAA4D8AAAAAAADgPwAAAAAAAOA/AAAAAAAA4D8AAAAAAADgPwAAAAAAAOA/AAAAAAAA4D8AAAAAAADgPwAAAAAAAOA/AAAAAAAA4D8CAAAAjAAAAAAAAAAAAAAAu+DjDP///wgAAAAAAAAAAAAAAAAAAAAAAAAAAAAAAAAAAAAAZAAAAAEAAABAAAAAAAAAAAAAAAAAAAAAAAAAAAAAAAAAAAAAAAAAAAAAAAAAAAAAAAAAAAAAAAAAAAAAAAAAAAAAAAAAAAAAAAAAAAAAAAAAAAAAAAAAAAAAAAAAAAAAFAAAADwAAAAAAAAAAAAAAAAAAAkUAAAAAQAAABQAAAAUAAAAFAAAAAEAAAAAAAAAZAAAAGQAAAAAAAAAZAAAAGQAAAAVAAAAYAAAAAAAAAAAAAAADwAAACADAAAAAAAAAAAAAAEAAACgMgAAVgcAAKr4//8BAAAAf39/AAEAAABkAAAAAAAAABQAAABAHwAAAAAAACYAAAAAAAAAwOD//wAAAAAmAAAAZAAAABYAAABMAAAAAAAAAAAAAAAEAAAAAAAAAAEAAACAgIAKAAAAACgAAAAoAAAAZAAAAGQAAAAAAAAAzMzMAAAAAABQAAAAUAAAAGQAAABkAAAAAAAAABcAAAAUAAAAAAAAAAAAAAD/fwAA/38AAAAAAAAJAAAABAAAAAAAAAAeAAAAaAAAAAAAAAAAAAAAAAAAAAAAAAAAAAAAECcAABAnAAAAAAAAAAAAAAAAAAAAAAAAAAAAAAAAAAAAAAAAAAAAABQAAAAAAAAAwMD/AAAAAABkAAAAMgAAAAAAAABkAAAAAAAAAH9/fwAKAAAAIgAAABgAAAAAAAAAAAAAAAAAAAAAAAAAAAAAAAAAAAAkAAAAJAAAAAAAAAAHAAAAAAAAAAAAAAAAAAAAAAAAAAAAAAAAAAAAf39/ACUAAABYAAAAAAAAAAAAAAAAAAAAAAAAAAAAAAAAAAAAAAAAAAAAAAAAAAAAAAAAAAAAAAA/AAAAAAAAAKCGAQAAAAAAAAAAAAAAAAAMAAAAAQAAAAAAAAAAAAAAAAAAAB8AAABUAAAAAAAABQAAAAEAAAAAAAAAAAAAAAAAAAAAAAAAAAAAAAAAAAAAAAAAAAAAAAJ/f38AAAAAA8zMzADAwP8Af39/AAAAAAAAAAAAAAAAAAAAAAAAAAAAIQAAABgAAAAUAAAAwAMAABsnAAA/FQAAWSkAABAAAAAmAAAACAAAAAAAAAAAAAAAMAAAABQAAAAAAAAAAAD//wAAAQAAAP//AAABAA=="/>
+                <pr:smNativeData xmlns:pr="smNativeData" xmlns="smNativeData" val="SMDATA_16_a8OGZxMAAAAlAAAAZAAAAA8BAAAAkAAAAEgAAACQAAAASAAAAAAAAAABAAAAAAAAAAEAAABQAAAAAAAAAAAA4D8AAAAAAADgPwAAAAAAAOA/AAAAAAAA4D8AAAAAAADgPwAAAAAAAOA/AAAAAAAA4D8AAAAAAADgPwAAAAAAAOA/AAAAAAAA4D8CAAAAjAAAAAAAAAAAAAAAu+DjDP///wgAAAAAAAAAAAAAAAAAAAAAAAAAAAAAAAAAAAAAZAAAAAEAAABAAAAAAAAAAAAAAAAAAAAAAAAAAAAAAAAAAAAAAAAAAAAAAAAAAAAAAAAAAAAAAAAAAAAAAAAAAAAAAAAAAAAAAAAAAAAAAAAAAAAAAAAAAAAAAAAAAAAAFAAAADwAAAAAAAAAAAAAAAAAAAkUAAAAAQAAABQAAAAUAAAAFAAAAAEAAAAAAAAAZAAAAGQAAAAAAAAAZAAAAGQAAAAVAAAAYAAAAAAAAAAAAAAADwAAACADAAAAAAAAAAAAAAEAAACgMgAAVgcAAKr4//8BAAAAf39/AAEAAABkAAAAAAAAABQAAABAHwAAAAAAACYAAAAAAAAAwOD//wAAAAAmAAAAZAAAABYAAABMAAAAAAAAAAAAAAAEAAAAAAAAAAEAAACAgIAKAAAAACgAAAAoAAAAZAAAAGQAAAAAAAAAzMzMAAAAAABQAAAAUAAAAGQAAABkAAAAAAAAABcAAAAUAAAAAAAAAAAAAAD/fwAA/38AAAAAAAAJAAAABAAAAAAAAAAeAAAAaAAAAAAAAAAAAAAAAAAAAAAAAAAAAAAAECcAABAnAAAAAAAAAAAAAAAAAAAAAAAAAAAAAAAAAAAAAAAAAAAAABQAAAAAAAAAwMD/AAAAAABkAAAAMgAAAAAAAABkAAAAAAAAAH9/fwAKAAAAIgAAABgAAAAAAAAAAAAAAAAAAAAAAAAAAAAAAAAAAAAkAAAAJAAAAAAAAAAHAAAAAAAAAAAAAAAAAAAAAAAAAAAAAAAAAAAAf39/ACUAAABYAAAAAAAAAAAAAAAAAAAAAAAAAAAAAAAAAAAAAAAAAAAAAAAAAAAAAAAAAAAAAAA/AAAAAAAAAKCGAQAAAAAAAAAAAAAAAAAMAAAAAQAAAAAAAAAAAAAAAAAAAB8AAABUAAAAAAAABQAAAAEAAAAAAAAAAAAAAAAAAAAAAAAAAAAAAAAAAAAAAAAAAAAAAAJ/f38AAAAAA8zMzADAwP8Af39/AAAAAAAAAAAAAAAAAAAAAAAAAAAAIQAAABgAAAAUAAAAwAMAABsnAAA/FQAAWSkAABAAAAAmAAAACAAAAAAAAAAAAAAAMAAAABQAAAAAAAAAAAD//wAAAQAAAP//AAABAA=="/>
               </a:ext>
             </a:extLst>
           </p:cNvSpPr>
@@ -2692,7 +2692,7 @@
           <a:lstStyle/>
           <a:p>
             <a:pPr/>
-            <a:fld id="{3D966B89-C7D0-C39D-9E2E-31C825606864}" type="datetime1">
+            <a:fld id="{3C72969C-D2D1-2760-9FCA-2435D8846971}" type="datetime1">
               <a:t/>
             </a:fld>
           </a:p>
@@ -2705,7 +2705,7 @@
             <a:spLocks noGrp="1" noChangeArrowheads="1"/>
             <a:extLst>
               <a:ext uri="smNativeData">
-                <pr:smNativeData xmlns:pr="smNativeData" xmlns="smNativeData" val="SMDATA_16_PryGZxMAAAAlAAAAZAAAAA8BAAAAkAAAAEgAAACQAAAASAAAAAAAAAABAAAAAAAAAAEAAABQAAAAAAAAAAAA4D8AAAAAAADgPwAAAAAAAOA/AAAAAAAA4D8AAAAAAADgPwAAAAAAAOA/AAAAAAAA4D8AAAAAAADgPwAAAAAAAOA/AAAAAAAA4D8CAAAAjAAAAAAAAAAAAAAAu+DjDP///wgAAAAAAAAAAAAAAAAAAAAAAAAAAAAAAAAAAAAAZAAAAAEAAABAAAAAAAAAAAAAAAAAAAAAAAAAAAAAAAAAAAAAAAAAAAAAAAAAAAAAAAAAAAAAAAAAAAAAAAAAAAAAAAAAAAAAAAAAAAAAAAAAAAAAAAAAAAAAAAAAAAAAFAAAADwAAAAAAAAAAAAAAAAAAAkUAAAAAQAAABQAAAAUAAAAFAAAAAEAAAAAAAAAZAAAAGQAAAAAAAAAZAAAAGQAAAAVAAAAYAAAAAAAAAAAAAAADwAAACADAAAAAAAAAAAAAAEAAACgMgAAVgcAAKr4//8BAAAAf39/AAEAAABkAAAAAAAAABQAAABAHwAAAAAAACYAAAAAAAAAwOD//wAAAAAmAAAAZAAAABYAAABMAAAAAAAAAAAAAAAEAAAAAAAAAAEAAACAgIAKAAAAACgAAAAoAAAAZAAAAGQAAAAAAAAAzMzMAAAAAABQAAAAUAAAAGQAAABkAAAAAAAAABcAAAAUAAAAAAAAAAAAAAD/fwAA/38AAAAAAAAJAAAABAAAAAAAAAAeAAAAaAAAAAAAAAAAAAAAAAAAAAAAAAAAAAAAECcAABAnAAAAAAAAAAAAAAAAAAAAAAAAAAAAAAAAAAAAAAAAAAAAABQAAAAAAAAAwMD/AAAAAABkAAAAMgAAAAAAAABkAAAAAAAAAH9/fwAKAAAAIgAAABgAAAAAAAAAAAAAAAAAAAAAAAAAAAAAAAAAAAAkAAAAJAAAAAAAAAAHAAAAAAAAAAAAAAAAAAAAAAAAAAAAAAAAAAAAf39/ACUAAABYAAAAAAAAAAAAAAAAAAAAAAAAAAAAAAAAAAAAAAAAAAAAAAAAAAAAAAAAAAAAAAA/AAAAAAAAAKCGAQAAAAAAAAAAAAAAAAAMAAAAAQAAAAAAAAAAAAAAAAAAAB8AAABUAAAAAAAABQAAAAEAAAAAAAAAAAAAAAAAAAAAAAAAAAAAAAAAAAAAAAAAAAAAAAJ/f38AAAAAA8zMzADAwP8Af39/AAAAAAAAAAAAAAAAAAAAAAAAAAAAIQAAABgAAAAUAAAAoRkAABsnAABfMQAAWSkAABAAAAAmAAAACAAAAAAAAAAAAAAAMAAAABQAAAAAAAAAAAD//wAAAQAAAP//AAABAA=="/>
+                <pr:smNativeData xmlns:pr="smNativeData" xmlns="smNativeData" val="SMDATA_16_a8OGZxMAAAAlAAAAZAAAAA8BAAAAkAAAAEgAAACQAAAASAAAAAAAAAABAAAAAAAAAAEAAABQAAAAAAAAAAAA4D8AAAAAAADgPwAAAAAAAOA/AAAAAAAA4D8AAAAAAADgPwAAAAAAAOA/AAAAAAAA4D8AAAAAAADgPwAAAAAAAOA/AAAAAAAA4D8CAAAAjAAAAAAAAAAAAAAAu+DjDP///wgAAAAAAAAAAAAAAAAAAAAAAAAAAAAAAAAAAAAAZAAAAAEAAABAAAAAAAAAAAAAAAAAAAAAAAAAAAAAAAAAAAAAAAAAAAAAAAAAAAAAAAAAAAAAAAAAAAAAAAAAAAAAAAAAAAAAAAAAAAAAAAAAAAAAAAAAAAAAAAAAAAAAFAAAADwAAAAAAAAAAAAAAAAAAAkUAAAAAQAAABQAAAAUAAAAFAAAAAEAAAAAAAAAZAAAAGQAAAAAAAAAZAAAAGQAAAAVAAAAYAAAAAAAAAAAAAAADwAAACADAAAAAAAAAAAAAAEAAACgMgAAVgcAAKr4//8BAAAAf39/AAEAAABkAAAAAAAAABQAAABAHwAAAAAAACYAAAAAAAAAwOD//wAAAAAmAAAAZAAAABYAAABMAAAAAAAAAAAAAAAEAAAAAAAAAAEAAACAgIAKAAAAACgAAAAoAAAAZAAAAGQAAAAAAAAAzMzMAAAAAABQAAAAUAAAAGQAAABkAAAAAAAAABcAAAAUAAAAAAAAAAAAAAD/fwAA/38AAAAAAAAJAAAABAAAAAAAAAAeAAAAaAAAAAAAAAAAAAAAAAAAAAAAAAAAAAAAECcAABAnAAAAAAAAAAAAAAAAAAAAAAAAAAAAAAAAAAAAAAAAAAAAABQAAAAAAAAAwMD/AAAAAABkAAAAMgAAAAAAAABkAAAAAAAAAH9/fwAKAAAAIgAAABgAAAAAAAAAAAAAAAAAAAAAAAAAAAAAAAAAAAAkAAAAJAAAAAAAAAAHAAAAAAAAAAAAAAAAAAAAAAAAAAAAAAAAAAAAf39/ACUAAABYAAAAAAAAAAAAAAAAAAAAAAAAAAAAAAAAAAAAAAAAAAAAAAAAAAAAAAAAAAAAAAA/AAAAAAAAAKCGAQAAAAAAAAAAAAAAAAAMAAAAAQAAAAAAAAAAAAAAAAAAAB8AAABUAAAAAAAABQAAAAEAAAAAAAAAAAAAAAAAAAAAAAAAAAAAAAAAAAAAAAAAAAAAAAJ/f38AAAAAA8zMzADAwP8Af39/AAAAAAAAAAAAAAAAAAAAAAAAAAAAIQAAABgAAAAUAAAAoRkAABsnAABfMQAAWSkAABAAAAAmAAAACAAAAAAAAAAAAAAAMAAAABQAAAAAAAAAAAD//wAAAQAAAP//AAABAA=="/>
               </a:ext>
             </a:extLst>
           </p:cNvSpPr>
@@ -2729,7 +2729,7 @@
             <a:spLocks noGrp="1" noChangeArrowheads="1"/>
             <a:extLst>
               <a:ext uri="smNativeData">
-                <pr:smNativeData xmlns:pr="smNativeData" xmlns="smNativeData" val="SMDATA_16_PryGZxMAAAAlAAAAZAAAAA8BAAAAkAAAAEgAAACQAAAASAAAAAAAAAABAAAAAAAAAAEAAABQAAAAAAAAAAAA4D8AAAAAAADgPwAAAAAAAOA/AAAAAAAA4D8AAAAAAADgPwAAAAAAAOA/AAAAAAAA4D8AAAAAAADgPwAAAAAAAOA/AAAAAAAA4D8CAAAAjAAAAAAAAAAAAAAAu+DjDP///wgAAAAAAAAAAAAAAAAAAAAAAAAAAAAAAAAAAAAAZAAAAAEAAABAAAAAAAAAAAAAAAAAAAAAAAAAAAAAAAAAAAAAAAAAAAAAAAAAAAAAAAAAAAAAAAAAAAAAAAAAAAAAAAAAAAAAAAAAAAAAAAAAAAAAAAAAAAAAAAAAAAAAFAAAADwAAAAAAAAAAAAAAAAAAAkUAAAAAQAAABQAAAAUAAAAFAAAAAEAAAAAAAAAZAAAAGQAAAAAAAAAZAAAAGQAAAAVAAAAYAAAAAAAAAAAAAAADwAAACADAAAAAAAAAAAAAAEAAACgMgAAVgcAAKr4//8BAAAAf39/AAEAAABkAAAAAAAAABQAAABAHwAAAAAAACYAAAAAAAAAwOD//wAAAAAmAAAAZAAAABYAAABMAAAAAAAAAAAAAAAEAAAAAAAAAAEAAACAgIAKAAAAACgAAAAoAAAAZAAAAGQAAAAAAAAAzMzMAAAAAABQAAAAUAAAAGQAAABkAAAAAAAAABcAAAAUAAAAAAAAAAAAAAD/fwAA/38AAAAAAAAJAAAABAAAAAAAAAAeAAAAaAAAAAAAAAAAAAAAAAAAAAAAAAAAAAAAECcAABAnAAAAAAAAAAAAAAAAAAAAAAAAAAAAAAAAAAAAAAAAAAAAABQAAAAAAAAAwMD/AAAAAABkAAAAMgAAAAAAAABkAAAAAAAAAH9/fwAKAAAAIgAAABgAAAAAAAAAAAAAAAAAAAAAAAAAAAAAAAAAAAAkAAAAJAAAAAAAAAAHAAAAAAAAAAAAAAAAAAAAAAAAAAAAAAAAAAAAf39/ACUAAABYAAAAAAAAAAAAAAAAAAAAAAAAAAAAAAAAAAAAAAAAAAAAAAAAAAAAAAAAAAAAAAA/AAAAAAAAAKCGAQAAAAAAAAAAAAAAAAAMAAAAAQAAAAAAAAAAAAAAAAAAAB8AAABUAAAAAAAABQAAAAEAAAAAAAAAAAAAAAAAAAAAAAAAAAAAAAAAAAAAAAAAAAAAAAJ/f38AAAAAA8zMzADAwP8Af39/AAAAAAAAAAAAAAAAAAAAAAAAAAAAIQAAABgAAAAUAAAAwTUAABsnAABARwAAWSkAABAAAAAmAAAACAAAAAAAAAAAAAAAMAAAABQAAAAAAAAAAAD//wAAAQAAAP//AAABAA=="/>
+                <pr:smNativeData xmlns:pr="smNativeData" xmlns="smNativeData" val="SMDATA_16_a8OGZxMAAAAlAAAAZAAAAA8BAAAAkAAAAEgAAACQAAAASAAAAAAAAAABAAAAAAAAAAEAAABQAAAAAAAAAAAA4D8AAAAAAADgPwAAAAAAAOA/AAAAAAAA4D8AAAAAAADgPwAAAAAAAOA/AAAAAAAA4D8AAAAAAADgPwAAAAAAAOA/AAAAAAAA4D8CAAAAjAAAAAAAAAAAAAAAu+DjDP///wgAAAAAAAAAAAAAAAAAAAAAAAAAAAAAAAAAAAAAZAAAAAEAAABAAAAAAAAAAAAAAAAAAAAAAAAAAAAAAAAAAAAAAAAAAAAAAAAAAAAAAAAAAAAAAAAAAAAAAAAAAAAAAAAAAAAAAAAAAAAAAAAAAAAAAAAAAAAAAAAAAAAAFAAAADwAAAAAAAAAAAAAAAAAAAkUAAAAAQAAABQAAAAUAAAAFAAAAAEAAAAAAAAAZAAAAGQAAAAAAAAAZAAAAGQAAAAVAAAAYAAAAAAAAAAAAAAADwAAACADAAAAAAAAAAAAAAEAAACgMgAAVgcAAKr4//8BAAAAf39/AAEAAABkAAAAAAAAABQAAABAHwAAAAAAACYAAAAAAAAAwOD//wAAAAAmAAAAZAAAABYAAABMAAAAAAAAAAAAAAAEAAAAAAAAAAEAAACAgIAKAAAAACgAAAAoAAAAZAAAAGQAAAAAAAAAzMzMAAAAAABQAAAAUAAAAGQAAABkAAAAAAAAABcAAAAUAAAAAAAAAAAAAAD/fwAA/38AAAAAAAAJAAAABAAAAAAAAAAeAAAAaAAAAAAAAAAAAAAAAAAAAAAAAAAAAAAAECcAABAnAAAAAAAAAAAAAAAAAAAAAAAAAAAAAAAAAAAAAAAAAAAAABQAAAAAAAAAwMD/AAAAAABkAAAAMgAAAAAAAABkAAAAAAAAAH9/fwAKAAAAIgAAABgAAAAAAAAAAAAAAAAAAAAAAAAAAAAAAAAAAAAkAAAAJAAAAAAAAAAHAAAAAAAAAAAAAAAAAAAAAAAAAAAAAAAAAAAAf39/ACUAAABYAAAAAAAAAAAAAAAAAAAAAAAAAAAAAAAAAAAAAAAAAAAAAAAAAAAAAAAAAAAAAAA/AAAAAAAAAKCGAQAAAAAAAAAAAAAAAAAMAAAAAQAAAAAAAAAAAAAAAAAAAB8AAABUAAAAAAAABQAAAAEAAAAAAAAAAAAAAAAAAAAAAAAAAAAAAAAAAAAAAAAAAAAAAAJ/f38AAAAAA8zMzADAwP8Af39/AAAAAAAAAAAAAAAAAAAAAAAAAAAAIQAAABgAAAAUAAAAwTUAABsnAABARwAAWSkAABAAAAAmAAAACAAAAAAAAAAAAAAAMAAAABQAAAAAAAAAAAD//wAAAQAAAP//AAABAA=="/>
               </a:ext>
             </a:extLst>
           </p:cNvSpPr>
@@ -2743,7 +2743,7 @@
           <a:lstStyle/>
           <a:p>
             <a:pPr/>
-            <a:fld id="{3D963E3D-73D0-C3C8-9E2E-859D706068D0}" type="slidenum">
+            <a:fld id="{3C72E4E8-A6D1-2712-9FCA-5047AA846905}" type="slidenum">
               <a:t/>
             </a:fld>
           </a:p>
@@ -2790,7 +2790,7 @@
             <a:spLocks noGrp="1" noChangeArrowheads="1"/>
             <a:extLst>
               <a:ext uri="smNativeData">
-                <pr:smNativeData xmlns:pr="smNativeData" xmlns="smNativeData" val="SMDATA_16_PryGZxMAAAAlAAAAZAAAAA8BAAAAkAAAAEgAAACQAAAASAAAAAAAAAABAAAAAAAAAAEAAABQAAAAAAAAAAAA4D8AAAAAAADgPwAAAAAAAOA/AAAAAAAA4D8AAAAAAADgPwAAAAAAAOA/AAAAAAAA4D8AAAAAAADgPwAAAAAAAOA/AAAAAAAA4D8CAAAAjAAAAAAAAAAAAAAAu+DjDP///wgAAAAAAAAAAAAAAAAAAAAAAAAAAAAAAAAAAAAAZAAAAAEAAABAAAAAAAAAAAAAAAAAAAAAAAAAAAAAAAAAAAAAAAAAAAAAAAAAAAAAAAAAAAAAAAAAAAAAAAAAAAAAAAAAAAAAAAAAAAAAAAAAAAAAAAAAAAAAAAAAAAAAFAAAADwAAAAAAAAAAAAAAAAAAAkUAAAAAQAAABQAAAAUAAAAFAAAAAEAAAAAAAAAZAAAAGQAAAAAAAAAZAAAAGQAAAAVAAAAYAAAAAAAAAAAAAAADwAAACADAAAAAAAAAAAAAAEAAACgMgAAVgcAAKr4//8BAAAAf39/AAEAAABkAAAAAAAAABQAAABAHwAAAAAAACYAAAAAAAAAwOD//wAAAAAmAAAAZAAAABYAAABMAAAAAAAAAAAAAAAEAAAAAAAAAAEAAACAgIAKAAAAACgAAAAoAAAAZAAAAGQAAAAAAAAAzMzMAAAAAABQAAAAUAAAAGQAAABkAAAAAAAAABcAAAAUAAAAAAAAAAAAAAD/fwAA/38AAAAAAAAJAAAABAAAAHsAfAAeAAAAaAAAAAAAAAAAAAAAAAAAAAAAAAAAAAAAECcAABAnAAAAAAAAAAAAAAAAAAAAAAAAAAAAAAAAAAAAAAAAAAAAABQAAAAAAAAAwMD/AAAAAABkAAAAMgAAAAAAAABkAAAAAAAAAH9/fwAKAAAAIgAAABgAAAAAAAAAAAAAAAAAAAAAAAAAAAAAAAAAAAAkAAAAJAAAAAAAAAAHAAAAAAAAAAAAAAAAAAAAAAAAAAAAAAAAAAAAf39/ACUAAABYAAAAAAAAAAAAAAAAAAAAAAAAAAAAAAAAAAAAAAAAAAAAAAAAAAAAAAAAAAAAAAA/AAAAAAAAAKCGAQAAAAAAAAAAAAAAAAAMAAAAAQAAAAAAAAAAAAAAAAAAAB8AAABUAAAAAAAABQAAAAEAAAAAAAAAAAAAAAAAAAAAAAAAAAAAAAAAAAAAAAAAAAAAAAJ/f38AAAAAA8zMzADAwP8Af39/AAAAAAAAAAAAAAAAAAAAAAAAAAAAIQAAABgAAAAUAAAAwAMAALABAABARwAAuAgAABAAAAAmAAAACAAAAP//////////MAAAABQAAAAAAAAAAAD//wAAAQAAAP//AAABAA=="/>
+                <pr:smNativeData xmlns:pr="smNativeData" xmlns="smNativeData" val="SMDATA_16_a8OGZxMAAAAlAAAAZAAAAA8BAAAAkAAAAEgAAACQAAAASAAAAAAAAAABAAAAAAAAAAEAAABQAAAAAAAAAAAA4D8AAAAAAADgPwAAAAAAAOA/AAAAAAAA4D8AAAAAAADgPwAAAAAAAOA/AAAAAAAA4D8AAAAAAADgPwAAAAAAAOA/AAAAAAAA4D8CAAAAjAAAAAAAAAAAAAAAu+DjDP///wgAAAAAAAAAAAAAAAAAAAAAAAAAAAAAAAAAAAAAZAAAAAEAAABAAAAAAAAAAAAAAAAAAAAAAAAAAAAAAAAAAAAAAAAAAAAAAAAAAAAAAAAAAAAAAAAAAAAAAAAAAAAAAAAAAAAAAAAAAAAAAAAAAAAAAAAAAAAAAAAAAAAAFAAAADwAAAAAAAAAAAAAAAAAAAkUAAAAAQAAABQAAAAUAAAAFAAAAAEAAAAAAAAAZAAAAGQAAAAAAAAAZAAAAGQAAAAVAAAAYAAAAAAAAAAAAAAADwAAACADAAAAAAAAAAAAAAEAAACgMgAAVgcAAKr4//8BAAAAf39/AAEAAABkAAAAAAAAABQAAABAHwAAAAAAACYAAAAAAAAAwOD//wAAAAAmAAAAZAAAABYAAABMAAAAAAAAAAAAAAAEAAAAAAAAAAEAAACAgIAKAAAAACgAAAAoAAAAZAAAAGQAAAAAAAAAzMzMAAAAAABQAAAAUAAAAGQAAABkAAAAAAAAABcAAAAUAAAAAAAAAAAAAAD/fwAA/38AAAAAAAAJAAAABAAAAHsAfAAeAAAAaAAAAAAAAAAAAAAAAAAAAAAAAAAAAAAAECcAABAnAAAAAAAAAAAAAAAAAAAAAAAAAAAAAAAAAAAAAAAAAAAAABQAAAAAAAAAwMD/AAAAAABkAAAAMgAAAAAAAABkAAAAAAAAAH9/fwAKAAAAIgAAABgAAAAAAAAAAAAAAAAAAAAAAAAAAAAAAAAAAAAkAAAAJAAAAAAAAAAHAAAAAAAAAAAAAAAAAAAAAAAAAAAAAAAAAAAAf39/ACUAAABYAAAAAAAAAAAAAAAAAAAAAAAAAAAAAAAAAAAAAAAAAAAAAAAAAAAAAAAAAAAAAAA/AAAAAAAAAKCGAQAAAAAAAAAAAAAAAAAMAAAAAQAAAAAAAAAAAAAAAAAAAB8AAABUAAAAAAAABQAAAAEAAAAAAAAAAAAAAAAAAAAAAAAAAAAAAAAAAAAAAAAAAAAAAAJ/f38AAAAAA8zMzADAwP8Af39/AAAAAAAAAAAAAAAAAAAAAAAAAAAAIQAAABgAAAAUAAAAwAMAALABAABARwAAuAgAABAAAAAmAAAACAAAAP//////////MAAAABQAAAAAAAAAAAD//wAAAQAAAP//AAABAA=="/>
               </a:ext>
             </a:extLst>
           </p:cNvSpPr>
@@ -2834,7 +2834,7 @@
             <a:spLocks noGrp="1" noChangeArrowheads="1"/>
             <a:extLst>
               <a:ext uri="smNativeData">
-                <pr:smNativeData xmlns:pr="smNativeData" xmlns="smNativeData" val="SMDATA_16_PryGZxMAAAAlAAAAZAAAAA8BAAAAkAAAAEgAAACQAAAASAAAAAAAAAAAAAAAAAAAAAEAAABQAAAAAAAAAAAA4D8AAAAAAADgPwAAAAAAAOA/AAAAAAAA4D8AAAAAAADgPwAAAAAAAOA/AAAAAAAA4D8AAAAAAADgPwAAAAAAAOA/AAAAAAAA4D8CAAAAjAAAAAAAAAAAAAAAu+DjDP///wgAAAAAAAAAAAAAAAAAAAAAAAAAAAAAAAAAAAAAZAAAAAEAAABAAAAAAAAAAAAAAAAAAAAAAAAAAAAAAAAAAAAAAAAAAAAAAAAAAAAAAAAAAAAAAAAAAAAAAAAAAAAAAAAAAAAAAAAAAAAAAAAAAAAAAAAAAAAAAAAAAAAAFAAAADwAAAAAAAAAAAAAAAAAAAkUAAAAAQAAABQAAAAUAAAAFAAAAAEAAAAAAAAAZAAAAGQAAAAAAAAAZAAAAGQAAAAVAAAAYAAAAAAAAAAAAAAADwAAACADAAAAAAAAAAAAAAEAAACgMgAAVgcAAKr4//8BAAAAf39/AAEAAABkAAAAAAAAABQAAABAHwAAAAAAACYAAAAAAAAAwOD//wAAAAAmAAAAZAAAABYAAABMAAAAAAAAAAAAAAAEAAAAAAAAAAEAAACAgIAKAAAAACgAAAAoAAAAZAAAAGQAAAAAAAAAzMzMAAAAAABQAAAAUAAAAGQAAABkAAAAAAAAABcAAAAUAAAAAAAAAAAAAAD/fwAA/38AAAAAAAAJAAAABAAAAHsAfAAeAAAAaAAAAAAAAAAAAAAAAAAAAAAAAAAAAAAAECcAABAnAAAAAAAAAAAAAAAAAAAAAAAAAAAAAAAAAAAAAAAAAAAAABQAAAAAAAAAwMD/AAAAAABkAAAAMgAAAAAAAABkAAAAAAAAAH9/fwAKAAAAIgAAABgAAAAAAAAAAAAAAAAAAAAAAAAAAAAAAAAAAAAkAAAAJAAAAAAAAAAHAAAAAAAAAAAAAAAAAAAAAAAAAAAAAAAAAAAAf39/ACUAAABYAAAAAAAAAAAAAAAAAAAAAAAAAAAAAAAAAAAAAAAAAAAAAAAAAAAAAAAAAAAAAAA/AAAAAAAAAKCGAQAAAAAAAAAAAAAAAAAMAAAAAQAAAAAAAAAAAAAAAAAAAB8AAABUAAAAAAAABQAAAAEAAAAAAAAAAAAAAAAAAAAAAAAAAAAAAAAAAAAAAAAAAAAAAAJ/f38AAAAAA8zMzADAwP8Af39/AAAAAAAAAAAAAAAAAAAAAAAAAAAAIQAAABgAAAAUAAAAwAMAANgJAABARwAAsCUAABAAAAAmAAAACAAAAP//////////MAAAABQAAAAAAAAAAAD//wAAAQAAAP//AAABAA=="/>
+                <pr:smNativeData xmlns:pr="smNativeData" xmlns="smNativeData" val="SMDATA_16_a8OGZxMAAAAlAAAAZAAAAA8BAAAAkAAAAEgAAACQAAAASAAAAAAAAAAAAAAAAAAAAAEAAABQAAAAAAAAAAAA4D8AAAAAAADgPwAAAAAAAOA/AAAAAAAA4D8AAAAAAADgPwAAAAAAAOA/AAAAAAAA4D8AAAAAAADgPwAAAAAAAOA/AAAAAAAA4D8CAAAAjAAAAAAAAAAAAAAAu+DjDP///wgAAAAAAAAAAAAAAAAAAAAAAAAAAAAAAAAAAAAAZAAAAAEAAABAAAAAAAAAAAAAAAAAAAAAAAAAAAAAAAAAAAAAAAAAAAAAAAAAAAAAAAAAAAAAAAAAAAAAAAAAAAAAAAAAAAAAAAAAAAAAAAAAAAAAAAAAAAAAAAAAAAAAFAAAADwAAAAAAAAAAAAAAAAAAAkUAAAAAQAAABQAAAAUAAAAFAAAAAEAAAAAAAAAZAAAAGQAAAAAAAAAZAAAAGQAAAAVAAAAYAAAAAAAAAAAAAAADwAAACADAAAAAAAAAAAAAAEAAACgMgAAVgcAAKr4//8BAAAAf39/AAEAAABkAAAAAAAAABQAAABAHwAAAAAAACYAAAAAAAAAwOD//wAAAAAmAAAAZAAAABYAAABMAAAAAAAAAAAAAAAEAAAAAAAAAAEAAACAgIAKAAAAACgAAAAoAAAAZAAAAGQAAAAAAAAAzMzMAAAAAABQAAAAUAAAAGQAAABkAAAAAAAAABcAAAAUAAAAAAAAAAAAAAD/fwAA/38AAAAAAAAJAAAABAAAAHsAfAAeAAAAaAAAAAAAAAAAAAAAAAAAAAAAAAAAAAAAECcAABAnAAAAAAAAAAAAAAAAAAAAAAAAAAAAAAAAAAAAAAAAAAAAABQAAAAAAAAAwMD/AAAAAABkAAAAMgAAAAAAAABkAAAAAAAAAH9/fwAKAAAAIgAAABgAAAAAAAAAAAAAAAAAAAAAAAAAAAAAAAAAAAAkAAAAJAAAAAAAAAAHAAAAAAAAAAAAAAAAAAAAAAAAAAAAAAAAAAAAf39/ACUAAABYAAAAAAAAAAAAAAAAAAAAAAAAAAAAAAAAAAAAAAAAAAAAAAAAAAAAAAAAAAAAAAA/AAAAAAAAAKCGAQAAAAAAAAAAAAAAAAAMAAAAAQAAAAAAAAAAAAAAAAAAAB8AAABUAAAAAAAABQAAAAEAAAAAAAAAAAAAAAAAAAAAAAAAAAAAAAAAAAAAAAAAAAAAAAJ/f38AAAAAA8zMzADAwP8Af39/AAAAAAAAAAAAAAAAAAAAAAAAAAAAIQAAABgAAAAUAAAAwAMAANgJAABARwAAsCUAABAAAAAmAAAACAAAAP//////////MAAAABQAAAAAAAAAAAD//wAAAQAAAP//AAABAA=="/>
               </a:ext>
             </a:extLst>
           </p:cNvSpPr>
@@ -2902,7 +2902,7 @@
             <a:spLocks noGrp="1" noChangeArrowheads="1"/>
             <a:extLst>
               <a:ext uri="smNativeData">
-                <pr:smNativeData xmlns:pr="smNativeData" xmlns="smNativeData" val="SMDATA_16_PryGZxMAAAAlAAAAZAAAAA8BAAAAkAAAAEgAAACQAAAASAAAAAAAAAABAAAAAAAAAAEAAABQAAAAAAAAAAAA4D8AAAAAAADgPwAAAAAAAOA/AAAAAAAA4D8AAAAAAADgPwAAAAAAAOA/AAAAAAAA4D8AAAAAAADgPwAAAAAAAOA/AAAAAAAA4D8CAAAAjAAAAAAAAAAAAAAAu+DjDP///wgAAAAAAAAAAAAAAAAAAAAAAAAAAAAAAAAAAAAAZAAAAAEAAABAAAAAAAAAAAAAAAAAAAAAAAAAAAAAAAAAAAAAAAAAAAAAAAAAAAAAAAAAAAAAAAAAAAAAAAAAAAAAAAAAAAAAAAAAAAAAAAAAAAAAAAAAAAAAAAAAAAAAFAAAADwAAAAAAAAAAAAAAAAAAAkUAAAAAQAAABQAAAAUAAAAFAAAAAEAAAAAAAAAZAAAAGQAAAAAAAAAZAAAAGQAAAAVAAAAYAAAAAAAAAAAAAAADwAAACADAAAAAAAAAAAAAAEAAACgMgAAVgcAAKr4//8BAAAAf39/AAEAAABkAAAAAAAAABQAAABAHwAAAAAAACYAAAAAAAAAwOD//wAAAAAmAAAAZAAAABYAAABMAAAAAAAAAAAAAAAEAAAAAAAAAAEAAACAgIAKAAAAACgAAAAoAAAAZAAAAGQAAAAAAAAAzMzMAAAAAABQAAAAUAAAAGQAAABkAAAAAAAAABcAAAAUAAAAAAAAAAAAAAD/fwAA/38AAAAAAAAJAAAABAAAAHsAfAAeAAAAaAAAAAAAAAAAAAAAAAAAAAAAAAAAAAAAECcAABAnAAAAAAAAAAAAAAAAAAAAAAAAAAAAAAAAAAAAAAAAAAAAABQAAAAAAAAAwMD/AAAAAABkAAAAMgAAAAAAAABkAAAAAAAAAH9/fwAKAAAAIgAAABgAAAAAAAAAAAAAAAAAAAAAAAAAAAAAAAAAAAAkAAAAJAAAAAAAAAAHAAAAAAAAAAAAAAAAAAAAAAAAAAAAAAAAAAAAf39/ACUAAABYAAAAAAAAAAAAAAAAAAAAAAAAAAAAAAAAAAAAAAAAAAAAAAAAAAAAAAAAAAAAAAA/AAAAAAAAAKCGAQAAAAAAAAAAAAAAAAAMAAAAAQAAAAAAAAAAAAAAAAAAAB8AAABUAAAAAAAABQAAAAEAAAAAAAAAAAAAAAAAAAAAAAAAAAAAAAAAAAAAAAAAAAAAAAJ/f38AAAAAA8zMzADAwP8Af39/AAAAAAAAAAAAAAAAAAAAAAAAAAAAIQAAABgAAAAUAAAAwAMAABsnAAA/FQAAWSkAABAAAAAmAAAACAAAAP//////////MAAAABQAAAAAAAAAAAD//wAAAQAAAP//AAABAA=="/>
+                <pr:smNativeData xmlns:pr="smNativeData" xmlns="smNativeData" val="SMDATA_16_a8OGZxMAAAAlAAAAZAAAAA8BAAAAkAAAAEgAAACQAAAASAAAAAAAAAABAAAAAAAAAAEAAABQAAAAAAAAAAAA4D8AAAAAAADgPwAAAAAAAOA/AAAAAAAA4D8AAAAAAADgPwAAAAAAAOA/AAAAAAAA4D8AAAAAAADgPwAAAAAAAOA/AAAAAAAA4D8CAAAAjAAAAAAAAAAAAAAAu+DjDP///wgAAAAAAAAAAAAAAAAAAAAAAAAAAAAAAAAAAAAAZAAAAAEAAABAAAAAAAAAAAAAAAAAAAAAAAAAAAAAAAAAAAAAAAAAAAAAAAAAAAAAAAAAAAAAAAAAAAAAAAAAAAAAAAAAAAAAAAAAAAAAAAAAAAAAAAAAAAAAAAAAAAAAFAAAADwAAAAAAAAAAAAAAAAAAAkUAAAAAQAAABQAAAAUAAAAFAAAAAEAAAAAAAAAZAAAAGQAAAAAAAAAZAAAAGQAAAAVAAAAYAAAAAAAAAAAAAAADwAAACADAAAAAAAAAAAAAAEAAACgMgAAVgcAAKr4//8BAAAAf39/AAEAAABkAAAAAAAAABQAAABAHwAAAAAAACYAAAAAAAAAwOD//wAAAAAmAAAAZAAAABYAAABMAAAAAAAAAAAAAAAEAAAAAAAAAAEAAACAgIAKAAAAACgAAAAoAAAAZAAAAGQAAAAAAAAAzMzMAAAAAABQAAAAUAAAAGQAAABkAAAAAAAAABcAAAAUAAAAAAAAAAAAAAD/fwAA/38AAAAAAAAJAAAABAAAAHsAfAAeAAAAaAAAAAAAAAAAAAAAAAAAAAAAAAAAAAAAECcAABAnAAAAAAAAAAAAAAAAAAAAAAAAAAAAAAAAAAAAAAAAAAAAABQAAAAAAAAAwMD/AAAAAABkAAAAMgAAAAAAAABkAAAAAAAAAH9/fwAKAAAAIgAAABgAAAAAAAAAAAAAAAAAAAAAAAAAAAAAAAAAAAAkAAAAJAAAAAAAAAAHAAAAAAAAAAAAAAAAAAAAAAAAAAAAAAAAAAAAf39/ACUAAABYAAAAAAAAAAAAAAAAAAAAAAAAAAAAAAAAAAAAAAAAAAAAAAAAAAAAAAAAAAAAAAA/AAAAAAAAAKCGAQAAAAAAAAAAAAAAAAAMAAAAAQAAAAAAAAAAAAAAAAAAAB8AAABUAAAAAAAABQAAAAEAAAAAAAAAAAAAAAAAAAAAAAAAAAAAAAAAAAAAAAAAAAAAAAJ/f38AAAAAA8zMzADAwP8Af39/AAAAAAAAAAAAAAAAAAAAAAAAAAAAIQAAABgAAAAUAAAAwAMAABsnAAA/FQAAWSkAABAAAAAmAAAACAAAAP//////////MAAAABQAAAAAAAAAAAD//wAAAQAAAP//AAABAA=="/>
               </a:ext>
             </a:extLst>
           </p:cNvSpPr>
@@ -2937,7 +2937,7 @@
           </a:lstStyle>
           <a:p>
             <a:pPr/>
-            <a:fld id="{3D9612EB-A5D0-C3E4-9E2E-53B15C606806}" type="datetime1">
+            <a:fld id="{3C72EFB2-FCD1-2719-9FCA-0A4CA184695F}" type="datetime1">
               <a:t/>
             </a:fld>
           </a:p>
@@ -2950,7 +2950,7 @@
             <a:spLocks noGrp="1" noChangeArrowheads="1"/>
             <a:extLst>
               <a:ext uri="smNativeData">
-                <pr:smNativeData xmlns:pr="smNativeData" xmlns="smNativeData" val="SMDATA_16_PryGZxMAAAAlAAAAZAAAAA8BAAAAkAAAAEgAAACQAAAASAAAAAAAAAABAAAAAAAAAAEAAABQAAAAAAAAAAAA4D8AAAAAAADgPwAAAAAAAOA/AAAAAAAA4D8AAAAAAADgPwAAAAAAAOA/AAAAAAAA4D8AAAAAAADgPwAAAAAAAOA/AAAAAAAA4D8CAAAAjAAAAAAAAAAAAAAAu+DjDP///wgAAAAAAAAAAAAAAAAAAAAAAAAAAAAAAAAAAAAAZAAAAAEAAABAAAAAAAAAAAAAAAAAAAAAAAAAAAAAAAAAAAAAAAAAAAAAAAAAAAAAAAAAAAAAAAAAAAAAAAAAAAAAAAAAAAAAAAAAAAAAAAAAAAAAAAAAAAAAAAAAAAAAFAAAADwAAAAAAAAAAAAAAAAAAAkUAAAAAQAAABQAAAAUAAAAFAAAAAEAAAAAAAAAZAAAAGQAAAAAAAAAZAAAAGQAAAAVAAAAYAAAAAAAAAAAAAAADwAAACADAAAAAAAAAAAAAAEAAACgMgAAVgcAAKr4//8BAAAAf39/AAEAAABkAAAAAAAAABQAAABAHwAAAAAAACYAAAAAAAAAwOD//wAAAAAmAAAAZAAAABYAAABMAAAAAAAAAAAAAAAEAAAAAAAAAAEAAACAgIAKAAAAACgAAAAoAAAAZAAAAGQAAAAAAAAAzMzMAAAAAABQAAAAUAAAAGQAAABkAAAAAAAAABcAAAAUAAAAAAAAAAAAAAD/fwAA/38AAAAAAAAJAAAABAAAAAAAAAAeAAAAaAAAAAAAAAAAAAAAAAAAAAAAAAAAAAAAECcAABAnAAAAAAAAAAAAAAAAAAAAAAAAAAAAAAAAAAAAAAAAAAAAABQAAAAAAAAAwMD/AAAAAABkAAAAMgAAAAAAAABkAAAAAAAAAH9/fwAKAAAAIgAAABgAAAAAAAAAAAAAAAAAAAAAAAAAAAAAAAAAAAAkAAAAJAAAAAAAAAAHAAAAAAAAAAAAAAAAAAAAAAAAAAAAAAAAAAAAf39/ACUAAABYAAAAAAAAAAAAAAAAAAAAAAAAAAAAAAAAAAAAAAAAAAAAAAAAAAAAAAAAAAAAAAA/AAAAAAAAAKCGAQAAAAAAAAAAAAAAAAAMAAAAAQAAAAAAAAAAAAAAAAAAAB8AAABUAAAAAAAABQAAAAEAAAAAAAAAAAAAAAAAAAAAAAAAAAAAAAAAAAAAAAAAAAAAAAJ/f38AAAAAA8zMzADAwP8Af39/AAAAAAAAAAAAAAAAAAAAAAAAAAAAIQAAABgAAAAUAAAAoRkAABsnAABfMQAAWSkAABAAAAAmAAAACAAAAP//////////MAAAABQAAAAAAAAAAAD//wAAAQAAAP//AAABAA=="/>
+                <pr:smNativeData xmlns:pr="smNativeData" xmlns="smNativeData" val="SMDATA_16_a8OGZxMAAAAlAAAAZAAAAA8BAAAAkAAAAEgAAACQAAAASAAAAAAAAAABAAAAAAAAAAEAAABQAAAAAAAAAAAA4D8AAAAAAADgPwAAAAAAAOA/AAAAAAAA4D8AAAAAAADgPwAAAAAAAOA/AAAAAAAA4D8AAAAAAADgPwAAAAAAAOA/AAAAAAAA4D8CAAAAjAAAAAAAAAAAAAAAu+DjDP///wgAAAAAAAAAAAAAAAAAAAAAAAAAAAAAAAAAAAAAZAAAAAEAAABAAAAAAAAAAAAAAAAAAAAAAAAAAAAAAAAAAAAAAAAAAAAAAAAAAAAAAAAAAAAAAAAAAAAAAAAAAAAAAAAAAAAAAAAAAAAAAAAAAAAAAAAAAAAAAAAAAAAAFAAAADwAAAAAAAAAAAAAAAAAAAkUAAAAAQAAABQAAAAUAAAAFAAAAAEAAAAAAAAAZAAAAGQAAAAAAAAAZAAAAGQAAAAVAAAAYAAAAAAAAAAAAAAADwAAACADAAAAAAAAAAAAAAEAAACgMgAAVgcAAKr4//8BAAAAf39/AAEAAABkAAAAAAAAABQAAABAHwAAAAAAACYAAAAAAAAAwOD//wAAAAAmAAAAZAAAABYAAABMAAAAAAAAAAAAAAAEAAAAAAAAAAEAAACAgIAKAAAAACgAAAAoAAAAZAAAAGQAAAAAAAAAzMzMAAAAAABQAAAAUAAAAGQAAABkAAAAAAAAABcAAAAUAAAAAAAAAAAAAAD/fwAA/38AAAAAAAAJAAAABAAAAAAAAAAeAAAAaAAAAAAAAAAAAAAAAAAAAAAAAAAAAAAAECcAABAnAAAAAAAAAAAAAAAAAAAAAAAAAAAAAAAAAAAAAAAAAAAAABQAAAAAAAAAwMD/AAAAAABkAAAAMgAAAAAAAABkAAAAAAAAAH9/fwAKAAAAIgAAABgAAAAAAAAAAAAAAAAAAAAAAAAAAAAAAAAAAAAkAAAAJAAAAAAAAAAHAAAAAAAAAAAAAAAAAAAAAAAAAAAAAAAAAAAAf39/ACUAAABYAAAAAAAAAAAAAAAAAAAAAAAAAAAAAAAAAAAAAAAAAAAAAAAAAAAAAAAAAAAAAAA/AAAAAAAAAKCGAQAAAAAAAAAAAAAAAAAMAAAAAQAAAAAAAAAAAAAAAAAAAB8AAABUAAAAAAAABQAAAAEAAAAAAAAAAAAAAAAAAAAAAAAAAAAAAAAAAAAAAAAAAAAAAAJ/f38AAAAAA8zMzADAwP8Af39/AAAAAAAAAAAAAAAAAAAAAAAAAAAAIQAAABgAAAAUAAAAoRkAABsnAABfMQAAWSkAABAAAAAmAAAACAAAAP//////////MAAAABQAAAAAAAAAAAD//wAAAQAAAP//AAABAA=="/>
               </a:ext>
             </a:extLst>
           </p:cNvSpPr>
@@ -2995,7 +2995,7 @@
             <a:spLocks noGrp="1" noChangeArrowheads="1"/>
             <a:extLst>
               <a:ext uri="smNativeData">
-                <pr:smNativeData xmlns:pr="smNativeData" xmlns="smNativeData" val="SMDATA_16_PryGZxMAAAAlAAAAZAAAAA8BAAAAkAAAAEgAAACQAAAASAAAAAAAAAABAAAAAAAAAAEAAABQAAAAAAAAAAAA4D8AAAAAAADgPwAAAAAAAOA/AAAAAAAA4D8AAAAAAADgPwAAAAAAAOA/AAAAAAAA4D8AAAAAAADgPwAAAAAAAOA/AAAAAAAA4D8CAAAAjAAAAAAAAAAAAAAAu+DjDP///wgAAAAAAAAAAAAAAAAAAAAAAAAAAAAAAAAAAAAAZAAAAAEAAABAAAAAAAAAAAAAAAAAAAAAAAAAAAAAAAAAAAAAAAAAAAAAAAAAAAAAAAAAAAAAAAAAAAAAAAAAAAAAAAAAAAAAAAAAAAAAAAAAAAAAAAAAAAAAAAAAAAAAFAAAADwAAAAAAAAAAAAAAAAAAAkUAAAAAQAAABQAAAAUAAAAFAAAAAEAAAAAAAAAZAAAAGQAAAAAAAAAZAAAAGQAAAAVAAAAYAAAAAAAAAAAAAAADwAAACADAAAAAAAAAAAAAAEAAACgMgAAVgcAAKr4//8BAAAAf39/AAEAAABkAAAAAAAAABQAAABAHwAAAAAAACYAAAAAAAAAwOD//wAAAAAmAAAAZAAAABYAAABMAAAAAAAAAAAAAAAEAAAAAAAAAAEAAACAgIAKAAAAACgAAAAoAAAAZAAAAGQAAAAAAAAAzMzMAAAAAABQAAAAUAAAAGQAAABkAAAAAAAAABcAAAAUAAAAAAAAAAAAAAD/fwAA/38AAAAAAAAJAAAABAAAAP////8eAAAAaAAAAAAAAAAAAAAAAAAAAAAAAAAAAAAAECcAABAnAAAAAAAAAAAAAAAAAAAAAAAAAAAAAAAAAAAAAAAAAAAAABQAAAAAAAAAwMD/AAAAAABkAAAAMgAAAAAAAABkAAAAAAAAAH9/fwAKAAAAIgAAABgAAAAAAAAAAAAAAAAAAAAAAAAAAAAAAAAAAAAkAAAAJAAAAAAAAAAHAAAAAAAAAAAAAAAAAAAAAAAAAAAAAAAAAAAAf39/ACUAAABYAAAAAAAAAAAAAAAAAAAAAAAAAAAAAAAAAAAAAAAAAAAAAAAAAAAAAAAAAAAAAAA/AAAAAAAAAKCGAQAAAAAAAAAAAAAAAAAMAAAAAQAAAAAAAAAAAAAAAAAAAB8AAABUAAAAAAAABQAAAAEAAAAAAAAAAAAAAAAAAAAAAAAAAAAAAAAAAAAAAAAAAAAAAAJ/f38AAAAAA8zMzADAwP8Af39/AAAAAAAAAAAAAAAAAAAAAAAAAAAAIQAAABgAAAAUAAAAwTUAABsnAABARwAAWSkAABAAAAAmAAAACAAAAP//////////MAAAABQAAAAAAAAAAAD//wAAAQAAAP//AAABAA=="/>
+                <pr:smNativeData xmlns:pr="smNativeData" xmlns="smNativeData" val="SMDATA_16_a8OGZxMAAAAlAAAAZAAAAA8BAAAAkAAAAEgAAACQAAAASAAAAAAAAAABAAAAAAAAAAEAAABQAAAAAAAAAAAA4D8AAAAAAADgPwAAAAAAAOA/AAAAAAAA4D8AAAAAAADgPwAAAAAAAOA/AAAAAAAA4D8AAAAAAADgPwAAAAAAAOA/AAAAAAAA4D8CAAAAjAAAAAAAAAAAAAAAu+DjDP///wgAAAAAAAAAAAAAAAAAAAAAAAAAAAAAAAAAAAAAZAAAAAEAAABAAAAAAAAAAAAAAAAAAAAAAAAAAAAAAAAAAAAAAAAAAAAAAAAAAAAAAAAAAAAAAAAAAAAAAAAAAAAAAAAAAAAAAAAAAAAAAAAAAAAAAAAAAAAAAAAAAAAAFAAAADwAAAAAAAAAAAAAAAAAAAkUAAAAAQAAABQAAAAUAAAAFAAAAAEAAAAAAAAAZAAAAGQAAAAAAAAAZAAAAGQAAAAVAAAAYAAAAAAAAAAAAAAADwAAACADAAAAAAAAAAAAAAEAAACgMgAAVgcAAKr4//8BAAAAf39/AAEAAABkAAAAAAAAABQAAABAHwAAAAAAACYAAAAAAAAAwOD//wAAAAAmAAAAZAAAABYAAABMAAAAAAAAAAAAAAAEAAAAAAAAAAEAAACAgIAKAAAAACgAAAAoAAAAZAAAAGQAAAAAAAAAzMzMAAAAAABQAAAAUAAAAGQAAABkAAAAAAAAABcAAAAUAAAAAAAAAAAAAAD/fwAA/38AAAAAAAAJAAAABAAAAP////8eAAAAaAAAAAAAAAAAAAAAAAAAAAAAAAAAAAAAECcAABAnAAAAAAAAAAAAAAAAAAAAAAAAAAAAAAAAAAAAAAAAAAAAABQAAAAAAAAAwMD/AAAAAABkAAAAMgAAAAAAAABkAAAAAAAAAH9/fwAKAAAAIgAAABgAAAAAAAAAAAAAAAAAAAAAAAAAAAAAAAAAAAAkAAAAJAAAAAAAAAAHAAAAAAAAAAAAAAAAAAAAAAAAAAAAAAAAAAAAf39/ACUAAABYAAAAAAAAAAAAAAAAAAAAAAAAAAAAAAAAAAAAAAAAAAAAAAAAAAAAAAAAAAAAAAA/AAAAAAAAAKCGAQAAAAAAAAAAAAAAAAAMAAAAAQAAAAAAAAAAAAAAAAAAAB8AAABUAAAAAAAABQAAAAEAAAAAAAAAAAAAAAAAAAAAAAAAAAAAAAAAAAAAAAAAAAAAAAJ/f38AAAAAA8zMzADAwP8Af39/AAAAAAAAAAAAAAAAAAAAAAAAAAAAIQAAABgAAAAUAAAAwTUAABsnAABARwAAWSkAABAAAAAmAAAACAAAAP//////////MAAAABQAAAAAAAAAAAD//wAAAQAAAP//AAABAA=="/>
               </a:ext>
             </a:extLst>
           </p:cNvSpPr>
@@ -3030,7 +3030,7 @@
           </a:lstStyle>
           <a:p>
             <a:pPr/>
-            <a:fld id="{3D9630B1-FFD0-C3C6-9E2E-09937E60685C}" type="slidenum">
+            <a:fld id="{3C72A558-16D1-2753-9FCA-E006EB8469B5}" type="slidenum">
               <a:t/>
             </a:fld>
           </a:p>
@@ -3709,7 +3709,7 @@
             <a:spLocks noGrp="1" noChangeArrowheads="1"/>
             <a:extLst>
               <a:ext uri="smNativeData">
-                <pr:smNativeData xmlns:pr="smNativeData" xmlns="smNativeData" val="SMDATA_16_PryGZxMAAAAlAAAAZAAAAA8BAAAAkAAAAEgAAACQAAAASAAAAAAAAAABAAAAAAAAAAEAAABQAAAAAAAAAAAA4D8AAAAAAADgPwAAAAAAAOA/AAAAAAAA4D8AAAAAAADgPwAAAAAAAOA/AAAAAAAA4D8AAAAAAADgPwAAAAAAAOA/AAAAAAAA4D8CAAAAjAAAAAAAAAAAAAAAu+DjDP///wgAAAAAAAAAAAAAAAAAAAAAAAAAAAAAAAAAAAAAZAAAAAEAAABAAAAAAAAAAAAAAAAAAAAAAAAAAAAAAAAAAAAAAAAAAAAAAAAAAAAAAAAAAAAAAAAAAAAAAAAAAAAAAAAAAAAAAAAAAAAAAAAAAAAAAAAAAAAAAAAAAAAAFAAAADwAAAAAAAAAAAAAAAAAAAkUAAAAAQAAABQAAAAUAAAAFAAAAAEAAAAAAAAAZAAAAGQAAAAAAAAAZAAAAGQAAAAVAAAAYAAAAAAAAAAAAAAADwAAACADAAAAAAAAAAAAAAEAAACgMgAAVgcAAKr4//8BAAAAf39/AAEAAABkAAAAAAAAABQAAABAHwAAAAAAACYAAAAAAAAAwOD//wAAAAAmAAAAZAAAABYAAABMAAAAAAAAAAAAAAAEAAAAAAAAAAEAAACAgIAKAAAAACgAAAAoAAAAZAAAAGQAAAAAAAAAzMzMAAAAAABQAAAAUAAAAGQAAABkAAAAAAAAABcAAAAUAAAAAAAAAAAAAAD/fwAA/38AAAAAAAAJAAAABAAAAAAAAAAeAAAAaAAAAAAAAAAAAAAAAAAAAAAAAAAAAAAAECcAABAnAAAAAAAAAAAAAAAAAAAAAAAAAAAAAAAAAAAAAAAAAAAAABQAAAAAAAAAwMD/AAAAAABkAAAAMgAAAAAAAABkAAAAAAAAAH9/fwAKAAAAIgAAABgAAAAAAAAAAAAAAAAAAAAAAAAAAAAAAAAAAAAkAAAAJAAAAAAAAAAHAAAAAAAAAAAAAAAAAAAAAAAAAAAAAAAAAAAAf39/ACUAAABYAAAAAAAAAAAAAAAAAAAAAAAAAAAAAAAAAAAAAAAAAAAAAAAAAAAAAAAAAAAAAAA/AAAAAAAAAKCGAQAAAAAAAAAAAAAAAAAMAAAAAQAAAAAAAAAAAAAAAAAAAB8AAABUAAAAAAAABQAAAAEAAAAAAAAAAAAAAAAAAAAAAAAAAAAAAAAAAAAAAAAAAAAAAAJ/f38AAAAAA8zMzADAwP8Af39/AAAAAAAAAAAAAAAAAAAAAAAAAAAAIQAAABgAAAAUAAAAwAMAALABAABARwAAuAgAABAAAAAmAAAACAAAAAAAAAAAAAAAMAAAABQAAAAAAAAAAAD//wAAAQAAAP//AAABAA=="/>
+                <pr:smNativeData xmlns:pr="smNativeData" xmlns="smNativeData" val="SMDATA_16_a8OGZxMAAAAlAAAAZAAAAA8BAAAAkAAAAEgAAACQAAAASAAAAAAAAAABAAAAAAAAAAEAAABQAAAAAAAAAAAA4D8AAAAAAADgPwAAAAAAAOA/AAAAAAAA4D8AAAAAAADgPwAAAAAAAOA/AAAAAAAA4D8AAAAAAADgPwAAAAAAAOA/AAAAAAAA4D8CAAAAjAAAAAAAAAAAAAAAu+DjDP///wgAAAAAAAAAAAAAAAAAAAAAAAAAAAAAAAAAAAAAZAAAAAEAAABAAAAAAAAAAAAAAAAAAAAAAAAAAAAAAAAAAAAAAAAAAAAAAAAAAAAAAAAAAAAAAAAAAAAAAAAAAAAAAAAAAAAAAAAAAAAAAAAAAAAAAAAAAAAAAAAAAAAAFAAAADwAAAAAAAAAAAAAAAAAAAkUAAAAAQAAABQAAAAUAAAAFAAAAAEAAAAAAAAAZAAAAGQAAAAAAAAAZAAAAGQAAAAVAAAAYAAAAAAAAAAAAAAADwAAACADAAAAAAAAAAAAAAEAAACgMgAAVgcAAKr4//8BAAAAf39/AAEAAABkAAAAAAAAABQAAABAHwAAAAAAACYAAAAAAAAAwOD//wAAAAAmAAAAZAAAABYAAABMAAAAAAAAAAAAAAAEAAAAAAAAAAEAAACAgIAKAAAAACgAAAAoAAAAZAAAAGQAAAAAAAAAzMzMAAAAAABQAAAAUAAAAGQAAABkAAAAAAAAABcAAAAUAAAAAAAAAAAAAAD/fwAA/38AAAAAAAAJAAAABAAAAAAAAAAeAAAAaAAAAAAAAAAAAAAAAAAAAAAAAAAAAAAAECcAABAnAAAAAAAAAAAAAAAAAAAAAAAAAAAAAAAAAAAAAAAAAAAAABQAAAAAAAAAwMD/AAAAAABkAAAAMgAAAAAAAABkAAAAAAAAAH9/fwAKAAAAIgAAABgAAAAAAAAAAAAAAAAAAAAAAAAAAAAAAAAAAAAkAAAAJAAAAAAAAAAHAAAAAAAAAAAAAAAAAAAAAAAAAAAAAAAAAAAAf39/ACUAAABYAAAAAAAAAAAAAAAAAAAAAAAAAAAAAAAAAAAAAAAAAAAAAAAAAAAAAAAAAAAAAAA/AAAAAAAAAKCGAQAAAAAAAAAAAAAAAAAMAAAAAQAAAAAAAAAAAAAAAAAAAB8AAABUAAAAAAAABQAAAAEAAAAAAAAAAAAAAAAAAAAAAAAAAAAAAAAAAAAAAAAAAAAAAAJ/f38AAAAAA8zMzADAwP8Af39/AAAAAAAAAAAAAAAAAAAAAAAAAAAAIQAAABgAAAAUAAAAwAMAALABAABARwAAuAgAABAAAAAmAAAACAAAAAAAAAAAAAAAMAAAABQAAAAAAAAAAAD//wAAAQAAAP//AAABAA=="/>
               </a:ext>
             </a:extLst>
           </p:cNvSpPr>
@@ -3736,7 +3736,7 @@
             <a:spLocks noGrp="1" noChangeArrowheads="1"/>
             <a:extLst>
               <a:ext uri="smNativeData">
-                <pr:smNativeData xmlns:pr="smNativeData" xmlns="smNativeData" val="SMDATA_16_PryGZxMAAAAlAAAAZAAAAA8BAAAAkAAAAEgAAACQAAAASAAAAAAAAAAAAAAAAAAAAAEAAABQAAAAAAAAAAAA4D8AAAAAAADgPwAAAAAAAOA/AAAAAAAA4D8AAAAAAADgPwAAAAAAAOA/AAAAAAAA4D8AAAAAAADgPwAAAAAAAOA/AAAAAAAA4D8CAAAAjAAAAAAAAAAAAAAAu+DjDP///wgAAAAAAAAAAAAAAAAAAAAAAAAAAAAAAAAAAAAAZAAAAAEAAABAAAAAAAAAAAAAAAAAAAAAAAAAAAAAAAAAAAAAAAAAAAAAAAAAAAAAAAAAAAAAAAAAAAAAAAAAAAAAAAAAAAAAAAAAAAAAAAAAAAAAAAAAAAAAAAAAAAAAFAAAADwAAAAAAAAAAAAAAAAAAAkUAAAAAQAAABQAAAAUAAAAFAAAAAEAAAAAAAAAZAAAAGQAAAAAAAAAZAAAAGQAAAAVAAAAYAAAAAAAAAAAAAAADwAAACADAAAAAAAAAAAAAAEAAACgMgAAVgcAAKr4//8BAAAAf39/AAEAAABkAAAAAAAAABQAAABAHwAAAAAAACYAAAAAAAAAwOD//wAAAAAmAAAAZAAAABYAAABMAAAAAAAAAAAAAAAEAAAAAAAAAAEAAACAgIAKAAAAACgAAAAoAAAAZAAAAGQAAAAAAAAAzMzMAAAAAABQAAAAUAAAAGQAAABkAAAAAAAAABcAAAAUAAAAAAAAAAAAAAD/fwAA/38AAAAAAAAJAAAABAAAAAAAAAAeAAAAaAAAAAAAAAAAAAAAAAAAAAAAAAAAAAAAECcAABAnAAAAAAAAAAAAAAAAAAAAAAAAAAAAAAAAAAAAAAAAAAAAABQAAAAAAAAAwMD/AAAAAABkAAAAMgAAAAAAAABkAAAAAAAAAH9/fwAKAAAAIgAAABgAAAAAAAAAAAAAAAAAAAAAAAAAAAAAAAAAAAAkAAAAJAAAAAAAAAAHAAAAAAAAAAAAAAAAAAAAAAAAAAAAAAAAAAAAf39/ACUAAABYAAAAAAAAAAAAAAAAAAAAAAAAAAAAAAAAAAAAAAAAAAAAAAAAAAAAAAAAAAAAAAA/AAAAAAAAAKCGAQAAAAAAAAAAAAAAAAAMAAAAAQAAAAAAAAAAAAAAAAAAAB8AAABUAAAAAAAABQAAAAEAAAAAAAAAAAAAAAAAAAAAAAAAAAAAAAAAAAAAAAAAAAAAAAJ/f38AAAAAA8zMzADAwP8Af39/AAAAAAAAAAAAAAAAAAAAAAAAAAAAIQAAABgAAAAUAAAAwAMAANgJAABARwAAsCUAABAAAAAmAAAACAAAAAAAAAAAAAAAMAAAABQAAAAAAAAAAAD//wAAAQAAAP//AAABAA=="/>
+                <pr:smNativeData xmlns:pr="smNativeData" xmlns="smNativeData" val="SMDATA_16_a8OGZxMAAAAlAAAAZAAAAA8BAAAAkAAAAEgAAACQAAAASAAAAAAAAAAAAAAAAAAAAAEAAABQAAAAAAAAAAAA4D8AAAAAAADgPwAAAAAAAOA/AAAAAAAA4D8AAAAAAADgPwAAAAAAAOA/AAAAAAAA4D8AAAAAAADgPwAAAAAAAOA/AAAAAAAA4D8CAAAAjAAAAAAAAAAAAAAAu+DjDP///wgAAAAAAAAAAAAAAAAAAAAAAAAAAAAAAAAAAAAAZAAAAAEAAABAAAAAAAAAAAAAAAAAAAAAAAAAAAAAAAAAAAAAAAAAAAAAAAAAAAAAAAAAAAAAAAAAAAAAAAAAAAAAAAAAAAAAAAAAAAAAAAAAAAAAAAAAAAAAAAAAAAAAFAAAADwAAAAAAAAAAAAAAAAAAAkUAAAAAQAAABQAAAAUAAAAFAAAAAEAAAAAAAAAZAAAAGQAAAAAAAAAZAAAAGQAAAAVAAAAYAAAAAAAAAAAAAAADwAAACADAAAAAAAAAAAAAAEAAACgMgAAVgcAAKr4//8BAAAAf39/AAEAAABkAAAAAAAAABQAAABAHwAAAAAAACYAAAAAAAAAwOD//wAAAAAmAAAAZAAAABYAAABMAAAAAAAAAAAAAAAEAAAAAAAAAAEAAACAgIAKAAAAACgAAAAoAAAAZAAAAGQAAAAAAAAAzMzMAAAAAABQAAAAUAAAAGQAAABkAAAAAAAAABcAAAAUAAAAAAAAAAAAAAD/fwAA/38AAAAAAAAJAAAABAAAAAAAAAAeAAAAaAAAAAAAAAAAAAAAAAAAAAAAAAAAAAAAECcAABAnAAAAAAAAAAAAAAAAAAAAAAAAAAAAAAAAAAAAAAAAAAAAABQAAAAAAAAAwMD/AAAAAABkAAAAMgAAAAAAAABkAAAAAAAAAH9/fwAKAAAAIgAAABgAAAAAAAAAAAAAAAAAAAAAAAAAAAAAAAAAAAAkAAAAJAAAAAAAAAAHAAAAAAAAAAAAAAAAAAAAAAAAAAAAAAAAAAAAf39/ACUAAABYAAAAAAAAAAAAAAAAAAAAAAAAAAAAAAAAAAAAAAAAAAAAAAAAAAAAAAAAAAAAAAA/AAAAAAAAAKCGAQAAAAAAAAAAAAAAAAAMAAAAAQAAAAAAAAAAAAAAAAAAAB8AAABUAAAAAAAABQAAAAEAAAAAAAAAAAAAAAAAAAAAAAAAAAAAAAAAAAAAAAAAAAAAAAJ/f38AAAAAA8zMzADAwP8Af39/AAAAAAAAAAAAAAAAAAAAAAAAAAAAIQAAABgAAAAUAAAAwAMAANgJAABARwAAsCUAABAAAAAmAAAACAAAAAAAAAAAAAAAMAAAABQAAAAAAAAAAAD//wAAAQAAAP//AAABAA=="/>
               </a:ext>
             </a:extLst>
           </p:cNvSpPr>
@@ -3797,7 +3797,7 @@
             <a:spLocks noGrp="1" noChangeArrowheads="1"/>
             <a:extLst>
               <a:ext uri="smNativeData">
-                <pr:smNativeData xmlns:pr="smNativeData" xmlns="smNativeData" val="SMDATA_16_PryGZxMAAAAlAAAAZAAAAA8BAAAAkAAAAEgAAACQAAAASAAAAAAAAAABAAAAAAAAAAEAAABQAAAAAAAAAAAA4D8AAAAAAADgPwAAAAAAAOA/AAAAAAAA4D8AAAAAAADgPwAAAAAAAOA/AAAAAAAA4D8AAAAAAADgPwAAAAAAAOA/AAAAAAAA4D8CAAAAjAAAAAAAAAAAAAAAu+DjDP///wgAAAAAAAAAAAAAAAAAAAAAAAAAAAAAAAAAAAAAZAAAAAEAAABAAAAAAAAAAAAAAAAAAAAAAAAAAAAAAAAAAAAAAAAAAAAAAAAAAAAAAAAAAAAAAAAAAAAAAAAAAAAAAAAAAAAAAAAAAAAAAAAAAAAAAAAAAAAAAAAAAAAAFAAAADwAAAAAAAAAAAAAAAAAAAkUAAAAAQAAABQAAAAUAAAAFAAAAAEAAAAAAAAAZAAAAGQAAAAAAAAAZAAAAGQAAAAVAAAAYAAAAAAAAAAAAAAADwAAACADAAAAAAAAAAAAAAEAAACgMgAAVgcAAKr4//8BAAAAf39/AAEAAABkAAAAAAAAABQAAABAHwAAAAAAACYAAAAAAAAAwOD//wAAAAAmAAAAZAAAABYAAABMAAAAAAAAAAAAAAAEAAAAAAAAAAEAAACAgIAKAAAAACgAAAAoAAAAZAAAAGQAAAAAAAAAzMzMAAAAAABQAAAAUAAAAGQAAABkAAAAAAAAABcAAAAUAAAAAAAAAAAAAAD/fwAA/38AAAAAAAAJAAAABAAAAAAAAAAeAAAAaAAAAAAAAAAAAAAAAAAAAAAAAAAAAAAAECcAABAnAAAAAAAAAAAAAAAAAAAAAAAAAAAAAAAAAAAAAAAAAAAAABQAAAAAAAAAwMD/AAAAAABkAAAAMgAAAAAAAABkAAAAAAAAAH9/fwAKAAAAIgAAABgAAAAAAAAAAAAAAAAAAAAAAAAAAAAAAAAAAAAkAAAAJAAAAAAAAAAHAAAAAAAAAAAAAAAAAAAAAAAAAAAAAAAAAAAAf39/ACUAAABYAAAAAAAAAAAAAAAAAAAAAAAAAAAAAAAAAAAAAAAAAAAAAAAAAAAAAAAAAAAAAAA/AAAAAAAAAKCGAQAAAAAAAAAAAAAAAAAMAAAAAQAAAAAAAAAAAAAAAAAAAB8AAABUAAAAAAAABQAAAAEAAAAAAAAAAAAAAAAAAAAAAAAAAAAAAAAAAAAAAAAAAAAAAAJ/f38AAAAAA8zMzADAwP8Af39/AAAAAAAAAAAAAAAAAAAAAAAAAAAAIQAAABgAAAAUAAAAwAMAALABAABARwAAuAgAABAAAAAmAAAACAAAAAAAAAAAAAAAMAAAABQAAAAAAAAAAAD//wAAAQAAAP//AAABAA=="/>
+                <pr:smNativeData xmlns:pr="smNativeData" xmlns="smNativeData" val="SMDATA_16_a8OGZxMAAAAlAAAAZAAAAA8BAAAAkAAAAEgAAACQAAAASAAAAAAAAAABAAAAAAAAAAEAAABQAAAAAAAAAAAA4D8AAAAAAADgPwAAAAAAAOA/AAAAAAAA4D8AAAAAAADgPwAAAAAAAOA/AAAAAAAA4D8AAAAAAADgPwAAAAAAAOA/AAAAAAAA4D8CAAAAjAAAAAAAAAAAAAAAu+DjDP///wgAAAAAAAAAAAAAAAAAAAAAAAAAAAAAAAAAAAAAZAAAAAEAAABAAAAAAAAAAAAAAAAAAAAAAAAAAAAAAAAAAAAAAAAAAAAAAAAAAAAAAAAAAAAAAAAAAAAAAAAAAAAAAAAAAAAAAAAAAAAAAAAAAAAAAAAAAAAAAAAAAAAAFAAAADwAAAAAAAAAAAAAAAAAAAkUAAAAAQAAABQAAAAUAAAAFAAAAAEAAAAAAAAAZAAAAGQAAAAAAAAAZAAAAGQAAAAVAAAAYAAAAAAAAAAAAAAADwAAACADAAAAAAAAAAAAAAEAAACgMgAAVgcAAKr4//8BAAAAf39/AAEAAABkAAAAAAAAABQAAABAHwAAAAAAACYAAAAAAAAAwOD//wAAAAAmAAAAZAAAABYAAABMAAAAAAAAAAAAAAAEAAAAAAAAAAEAAACAgIAKAAAAACgAAAAoAAAAZAAAAGQAAAAAAAAAzMzMAAAAAABQAAAAUAAAAGQAAABkAAAAAAAAABcAAAAUAAAAAAAAAAAAAAD/fwAA/38AAAAAAAAJAAAABAAAAAAAAAAeAAAAaAAAAAAAAAAAAAAAAAAAAAAAAAAAAAAAECcAABAnAAAAAAAAAAAAAAAAAAAAAAAAAAAAAAAAAAAAAAAAAAAAABQAAAAAAAAAwMD/AAAAAABkAAAAMgAAAAAAAABkAAAAAAAAAH9/fwAKAAAAIgAAABgAAAAAAAAAAAAAAAAAAAAAAAAAAAAAAAAAAAAkAAAAJAAAAAAAAAAHAAAAAAAAAAAAAAAAAAAAAAAAAAAAAAAAAAAAf39/ACUAAABYAAAAAAAAAAAAAAAAAAAAAAAAAAAAAAAAAAAAAAAAAAAAAAAAAAAAAAAAAAAAAAA/AAAAAAAAAKCGAQAAAAAAAAAAAAAAAAAMAAAAAQAAAAAAAAAAAAAAAAAAAB8AAABUAAAAAAAABQAAAAEAAAAAAAAAAAAAAAAAAAAAAAAAAAAAAAAAAAAAAAAAAAAAAAJ/f38AAAAAA8zMzADAwP8Af39/AAAAAAAAAAAAAAAAAAAAAAAAAAAAIQAAABgAAAAUAAAAwAMAALABAABARwAAuAgAABAAAAAmAAAACAAAAAAAAAAAAAAAMAAAABQAAAAAAAAAAAD//wAAAQAAAP//AAABAA=="/>
               </a:ext>
             </a:extLst>
           </p:cNvSpPr>
@@ -3826,7 +3826,7 @@
             <a:spLocks noGrp="1" noChangeArrowheads="1"/>
             <a:extLst>
               <a:ext uri="smNativeData">
-                <pr:smNativeData xmlns:pr="smNativeData" xmlns="smNativeData" val="SMDATA_16_PryGZxMAAAAlAAAAZAAAAA8BAAAAkAAAAEgAAACQAAAASAAAAAAAAAAAAAAAAAAAAAEAAABQAAAAAAAAAAAA4D8AAAAAAADgPwAAAAAAAOA/AAAAAAAA4D8AAAAAAADgPwAAAAAAAOA/AAAAAAAA4D8AAAAAAADgPwAAAAAAAOA/AAAAAAAA4D8CAAAAjAAAAAAAAAAAAAAAu+DjDP///wgAAAAAAAAAAAAAAAAAAAAAAAAAAAAAAAAAAAAAZAAAAAEAAABAAAAAAAAAAAAAAAAAAAAAAAAAAAAAAAAAAAAAAAAAAAAAAAAAAAAAAAAAAAAAAAAAAAAAAAAAAAAAAAAAAAAAAAAAAAAAAAAAAAAAAAAAAAAAAAAAAAAAFAAAADwAAAAAAAAAAAAAAAAAAAkUAAAAAQAAABQAAAAUAAAAFAAAAAEAAAAAAAAAZAAAAGQAAAAAAAAAZAAAAGQAAAAVAAAAYAAAAAAAAAAAAAAADwAAACADAAAAAAAAAAAAAAEAAACgMgAAVgcAAKr4//8BAAAAf39/AAEAAABkAAAAAAAAABQAAABAHwAAAAAAACYAAAAAAAAAwOD//wAAAAAmAAAAZAAAABYAAABMAAAAAAAAAAAAAAAEAAAAAAAAAAEAAACAgIAKAAAAACgAAAAoAAAAZAAAAGQAAAAAAAAAzMzMAAAAAABQAAAAUAAAAGQAAABkAAAAAAAAABcAAAAUAAAAAAAAAAAAAAD/fwAA/38AAAAAAAAJAAAABAAAAJQyrcweAAAAaAAAAAAAAAAAAAAAAAAAAAAAAAAAAAAAECcAABAnAAAAAAAAAAAAAAAAAAAAAAAAAAAAAAAAAAAAAAAAAAAAABQAAAAAAAAAwMD/AAAAAABkAAAAMgAAAAAAAABkAAAAAAAAAH9/fwAKAAAAIgAAABgAAAAAAAAAAAAAAAAAAAAAAAAAAAAAAAAAAAAkAAAAJAAAAAAAAAAHAAAAAAAAAAAAAAAAAAAAAAAAAAAAAAAAAAAAf39/ACUAAABYAAAAAAAAAAAAAAAAAAAAAAAAAAAAAAAAAAAAAAAAAAAAAAAAAAAAAAAAAAAAAAA/AAAAAAAAAKCGAQAAAAAAAAAAAAAAAAAMAAAAAQAAAAAAAAAAAAAAAAAAAB8AAABUAAAAAAAABQAAAAEAAAAAAAAAAAAAAAAAAAAAAAAAAAAAAAAAAAAAAAAAAAAAAAJ/f38AAAAAA8zMzADAwP8Af39/AAAAAAAAAAAAAAAAAAAAAAAAAAAAIQAAABgAAAAUAAAAwAMAANgJAABARwAAsCUAABAAAAAmAAAACAAAAAAAAAAAAAAAMAAAABQAAAAAAAAAAAD//wAAAQAAAP//AAABAA=="/>
+                <pr:smNativeData xmlns:pr="smNativeData" xmlns="smNativeData" val="SMDATA_16_a8OGZxMAAAAlAAAAZAAAAA8BAAAAkAAAAEgAAACQAAAASAAAAAAAAAAAAAAAAAAAAAEAAABQAAAAAAAAAAAA4D8AAAAAAADgPwAAAAAAAOA/AAAAAAAA4D8AAAAAAADgPwAAAAAAAOA/AAAAAAAA4D8AAAAAAADgPwAAAAAAAOA/AAAAAAAA4D8CAAAAjAAAAAAAAAAAAAAAu+DjDP///wgAAAAAAAAAAAAAAAAAAAAAAAAAAAAAAAAAAAAAZAAAAAEAAABAAAAAAAAAAAAAAAAAAAAAAAAAAAAAAAAAAAAAAAAAAAAAAAAAAAAAAAAAAAAAAAAAAAAAAAAAAAAAAAAAAAAAAAAAAAAAAAAAAAAAAAAAAAAAAAAAAAAAFAAAADwAAAAAAAAAAAAAAAAAAAkUAAAAAQAAABQAAAAUAAAAFAAAAAEAAAAAAAAAZAAAAGQAAAAAAAAAZAAAAGQAAAAVAAAAYAAAAAAAAAAAAAAADwAAACADAAAAAAAAAAAAAAEAAACgMgAAVgcAAKr4//8BAAAAf39/AAEAAABkAAAAAAAAABQAAABAHwAAAAAAACYAAAAAAAAAwOD//wAAAAAmAAAAZAAAABYAAABMAAAAAAAAAAAAAAAEAAAAAAAAAAEAAACAgIAKAAAAACgAAAAoAAAAZAAAAGQAAAAAAAAAzMzMAAAAAABQAAAAUAAAAGQAAABkAAAAAAAAABcAAAAUAAAAAAAAAAAAAAD/fwAA/38AAAAAAAAJAAAABAAAAJQyrcweAAAAaAAAAAAAAAAAAAAAAAAAAAAAAAAAAAAAECcAABAnAAAAAAAAAAAAAAAAAAAAAAAAAAAAAAAAAAAAAAAAAAAAABQAAAAAAAAAwMD/AAAAAABkAAAAMgAAAAAAAABkAAAAAAAAAH9/fwAKAAAAIgAAABgAAAAAAAAAAAAAAAAAAAAAAAAAAAAAAAAAAAAkAAAAJAAAAAAAAAAHAAAAAAAAAAAAAAAAAAAAAAAAAAAAAAAAAAAAf39/ACUAAABYAAAAAAAAAAAAAAAAAAAAAAAAAAAAAAAAAAAAAAAAAAAAAAAAAAAAAAAAAAAAAAA/AAAAAAAAAKCGAQAAAAAAAAAAAAAAAAAMAAAAAQAAAAAAAAAAAAAAAAAAAB8AAABUAAAAAAAABQAAAAEAAAAAAAAAAAAAAAAAAAAAAAAAAAAAAAAAAAAAAAAAAAAAAAJ/f38AAAAAA8zMzADAwP8Af39/AAAAAAAAAAAAAAAAAAAAAAAAAAAAIQAAABgAAAAUAAAAwAMAANgJAABARwAAsCUAABAAAAAmAAAACAAAAAAAAAAAAAAAMAAAABQAAAAAAAAAAAD//wAAAQAAAP//AAABAA=="/>
               </a:ext>
             </a:extLst>
           </p:cNvSpPr>
@@ -3860,7 +3860,7 @@
             <a:picLocks noChangeAspect="1"/>
             <a:extLst>
               <a:ext uri="smNativeData">
-                <pr:smNativeData xmlns:pr="smNativeData" xmlns="smNativeData" val="SMDATA_18_PryGZxMAAAAlAAAAEQAAAC8BAAAAkAAAAEgAAACQAAAASAAAAAAAAAAAAAAAAAAAAAEAAABQAAAAAAAAAAAA4D8AAAAAAADgPwAAAAAAAOA/AAAAAAAA4D8AAAAAAADgPwAAAAAAAOA/AAAAAAAA4D8AAAAAAADgPwAAAAAAAOA/AAAAAAAA4D8CAAAAjAAAAAAAAAAAAAAAu+DjDP///wgAAAAAAAAAAAAAAAAAAAAAAAAAAAAAAAAAAAAAZAAAAAEAAABAAAAAAAAAAAAAAAAAAAAAAAAAAAAAAAAAAAAAAAAAAAAAAAAAAAAAAAAAAAAAAAAAAAAAAAAAAAAAAAAAAAAAAAAAAAAAAAAAAAAAAAAAAAAAAAAAAAAAFAAAADwAAAAAAAAAAAAAAAAAAAkUAAAAAQAAABQAAAAUAAAAFAAAAAEAAAAAAAAAZAAAAGQAAAAAAAAAZAAAAGQAAAAVAAAAYAAAAAAAAAAAAAAADwAAACADAAAAAAAAAAAAAAEAAACgMgAAVgcAAKr4//8BAAAAf39/AAEAAABkAAAAAAAAABQAAABAHwAAAAAAACYAAAAAAAAAwOD//wAAAAAmAAAAZAAAABYAAABMAAAAAAAAAAAAAAAEAAAAAAAAAAEAAACAgIAKAAAAACgAAAAoAAAAZAAAAGQAAAAAAAAAzMzMAAAAAABQAAAAUAAAAGQAAABkAAAAAAAAAAcAAAA4AAAAAAAAAAAAAAAAAAAA////AAAAAAAAAAAAAAAAAAAAAAAAAAAAAAAAAAAAAABkAAAAZAAAAAAAAAAjAAAABAAAAGQAAAAXAAAAFAAAAAAAAAAAAAAA/38AAP9/AAAAAAAACQAAAAQAAABlAAAAHgAAAGgAAAAAAAAAAAAAAAAAAAAAAAAAAAAAABAnAAAQJwAAAAAAAAAAAAAAAAAAAAAAAAAAAAAAAAAAAAAAAAAAAAAUAAAAAAAAAMDA/wAAAAAAZAAAADIAAAAAAAAAZAAAAAAAAAB/f38ACgAAACIAAAAYAAAAAAAAAAAAAAAAAAAAAAAAAAAAAAAAAAAAJAAAACQAAAAAAAAABwAAAAAAAAAAAAAAAAAAAAAAAAAAAAAAAAAAAH9/fwAlAAAAWAAAAAAAAAAAAAAAAAAAAAAAAAAAAAAAAAAAAAAAAAAAAAAAAAAAAAAAAAAAAAAAPwAAAAAAAACghgEAAAAAAAAAAAAAAAAADAAAAAEAAAAAAAAAAAAAAAAAAAAfAAAAVAAAALvg4wX///8BAAAAAAAAAAAAAAAAAAAAAAAAAAAAAAAAAAAAAAAAAAAAAAACf39/AICAgAPMzMwAwMD/AH9/fwAAAAAAAAAAAAAAAAD///8AAAAAACEAAAAYAAAAFAAAAMADAABHGAAAdEUAAG4iAAAQAAAAJgAAAAgAAAD//////////zAAAAAUAAAAAAAAAAAA//8AAAEAAAD//wAAAQA="/>
+                <pr:smNativeData xmlns:pr="smNativeData" xmlns="smNativeData" val="SMDATA_18_a8OGZxMAAAAlAAAAEQAAAC8BAAAAkAAAAEgAAACQAAAASAAAAAAAAAAAAAAAAAAAAAEAAABQAAAAAAAAAAAA4D8AAAAAAADgPwAAAAAAAOA/AAAAAAAA4D8AAAAAAADgPwAAAAAAAOA/AAAAAAAA4D8AAAAAAADgPwAAAAAAAOA/AAAAAAAA4D8CAAAAjAAAAAAAAAAAAAAAu+DjDP///wgAAAAAAAAAAAAAAAAAAAAAAAAAAAAAAAAAAAAAZAAAAAEAAABAAAAAAAAAAAAAAAAAAAAAAAAAAAAAAAAAAAAAAAAAAAAAAAAAAAAAAAAAAAAAAAAAAAAAAAAAAAAAAAAAAAAAAAAAAAAAAAAAAAAAAAAAAAAAAAAAAAAAFAAAADwAAAAAAAAAAAAAAAAAAAkUAAAAAQAAABQAAAAUAAAAFAAAAAEAAAAAAAAAZAAAAGQAAAAAAAAAZAAAAGQAAAAVAAAAYAAAAAAAAAAAAAAADwAAACADAAAAAAAAAAAAAAEAAACgMgAAVgcAAKr4//8BAAAAf39/AAEAAABkAAAAAAAAABQAAABAHwAAAAAAACYAAAAAAAAAwOD//wAAAAAmAAAAZAAAABYAAABMAAAAAAAAAAAAAAAEAAAAAAAAAAEAAACAgIAKAAAAACgAAAAoAAAAZAAAAGQAAAAAAAAAzMzMAAAAAABQAAAAUAAAAGQAAABkAAAAAAAAAAcAAAA4AAAAAAAAAAAAAAAAAAAA////AAAAAAAAAAAAAAAAAAAAAAAAAAAAAAAAAAAAAABkAAAAZAAAAAAAAAAjAAAABAAAAGQAAAAXAAAAFAAAAAAAAAAAAAAA/38AAP9/AAAAAAAACQAAAAQAAABlAAAAHgAAAGgAAAAAAAAAAAAAAAAAAAAAAAAAAAAAABAnAAAQJwAAAAAAAAAAAAAAAAAAAAAAAAAAAAAAAAAAAAAAAAAAAAAUAAAAAAAAAMDA/wAAAAAAZAAAADIAAAAAAAAAZAAAAAAAAAB/f38ACgAAACIAAAAYAAAAAAAAAAAAAAAAAAAAAAAAAAAAAAAAAAAAJAAAACQAAAAAAAAABwAAAAAAAAAAAAAAAAAAAAAAAAAAAAAAAAAAAH9/fwAlAAAAWAAAAAAAAAAAAAAAAAAAAAAAAAAAAAAAAAAAAAAAAAAAAAAAAAAAAAAAAAAAAAAAPwAAAAAAAACghgEAAAAAAAAAAAAAAAAADAAAAAEAAAAAAAAAAAAAAAAAAAAfAAAAVAAAALvg4wX///8BAAAAAAAAAAAAAAAAAAAAAAAAAAAAAAAAAAAAAAAAAAAAAAACf39/AICAgAPMzMwAwMD/AH9/fwAAAAAAAAAAAAAAAAD///8AAAAAACEAAAAYAAAAFAAAAMADAABHGAAAdEUAAG4iAAAQAAAAJgAAAAgAAAD//////////zAAAAAUAAAAAAAAAAAA//8AAAEAAAD//wAAAQA="/>
               </a:ext>
             </a:extLst>
           </p:cNvPicPr>
@@ -3926,7 +3926,7 @@
             <a:spLocks noGrp="1" noChangeArrowheads="1"/>
             <a:extLst>
               <a:ext uri="smNativeData">
-                <pr:smNativeData xmlns:pr="smNativeData" xmlns="smNativeData" val="SMDATA_16_PryGZxMAAAAlAAAAZAAAAA8BAAAAkAAAAEgAAACQAAAASAAAAAAAAAABAAAAAAAAAAEAAABQAAAAAAAAAAAA4D8AAAAAAADgPwAAAAAAAOA/AAAAAAAA4D8AAAAAAADgPwAAAAAAAOA/AAAAAAAA4D8AAAAAAADgPwAAAAAAAOA/AAAAAAAA4D8CAAAAjAAAAAAAAAAAAAAAu+DjDP///wgAAAAAAAAAAAAAAAAAAAAAAAAAAAAAAAAAAAAAZAAAAAEAAABAAAAAAAAAAAAAAAAAAAAAAAAAAAAAAAAAAAAAAAAAAAAAAAAAAAAAAAAAAAAAAAAAAAAAAAAAAAAAAAAAAAAAAAAAAAAAAAAAAAAAAAAAAAAAAAAAAAAAFAAAADwAAAAAAAAAAAAAAAAAAAkUAAAAAQAAABQAAAAUAAAAFAAAAAEAAAAAAAAAZAAAAGQAAAAAAAAAZAAAAGQAAAAVAAAAYAAAAAAAAAAAAAAADwAAACADAAAAAAAAAAAAAAEAAACgMgAAVgcAAKr4//8BAAAAf39/AAEAAABkAAAAAAAAABQAAABAHwAAAAAAACYAAAAAAAAAwOD//wAAAAAmAAAAZAAAABYAAABMAAAAAAAAAAAAAAAEAAAAAAAAAAEAAACAgIAKAAAAACgAAAAoAAAAZAAAAGQAAAAAAAAAzMzMAAAAAABQAAAAUAAAAGQAAABkAAAAAAAAABcAAAAUAAAAAAAAAAAAAAD/fwAA/38AAAAAAAAJAAAABAAAAO8CAAAeAAAAaAAAAAAAAAAAAAAAAAAAAAAAAAAAAAAAECcAABAnAAAAAAAAAAAAAAAAAAAAAAAAAAAAAAAAAAAAAAAAAAAAABQAAAAAAAAAwMD/AAAAAABkAAAAMgAAAAAAAABkAAAAAAAAAH9/fwAKAAAAIgAAABgAAAAAAAAAAAAAAAAAAAAAAAAAAAAAAAAAAAAkAAAAJAAAAAAAAAAHAAAAAAAAAAAAAAAAAAAAAAAAAAAAAAAAAAAAf39/ACUAAABYAAAAAAAAAAAAAAAAAAAAAAAAAAAAAAAAAAAAAAAAAAAAAAAAAAAAAAAAAAAAAAA/AAAAAAAAAKCGAQAAAAAAAAAAAAAAAAAMAAAAAQAAAAAAAAAAAAAAAAAAAB8AAABUAAAAAAAABQAAAAEAAAAAAAAAAAAAAAAAAAAAAAAAAAAAAAAAAAAAAAAAAAAAAAJ/f38AAAAAA8zMzADAwP8Af39/AAAAAAAAAAAAAAAAAAAAAAAAAAAAIQAAABgAAAAUAAAAwAMAALABAABARwAAuAgAABAAAAAmAAAACAAAAAAAAAAAAAAAMAAAABQAAAAAAAAAAAD//wAAAQAAAP//AAABAA=="/>
+                <pr:smNativeData xmlns:pr="smNativeData" xmlns="smNativeData" val="SMDATA_16_a8OGZxMAAAAlAAAAZAAAAA8BAAAAkAAAAEgAAACQAAAASAAAAAAAAAABAAAAAAAAAAEAAABQAAAAAAAAAAAA4D8AAAAAAADgPwAAAAAAAOA/AAAAAAAA4D8AAAAAAADgPwAAAAAAAOA/AAAAAAAA4D8AAAAAAADgPwAAAAAAAOA/AAAAAAAA4D8CAAAAjAAAAAAAAAAAAAAAu+DjDP///wgAAAAAAAAAAAAAAAAAAAAAAAAAAAAAAAAAAAAAZAAAAAEAAABAAAAAAAAAAAAAAAAAAAAAAAAAAAAAAAAAAAAAAAAAAAAAAAAAAAAAAAAAAAAAAAAAAAAAAAAAAAAAAAAAAAAAAAAAAAAAAAAAAAAAAAAAAAAAAAAAAAAAFAAAADwAAAAAAAAAAAAAAAAAAAkUAAAAAQAAABQAAAAUAAAAFAAAAAEAAAAAAAAAZAAAAGQAAAAAAAAAZAAAAGQAAAAVAAAAYAAAAAAAAAAAAAAADwAAACADAAAAAAAAAAAAAAEAAACgMgAAVgcAAKr4//8BAAAAf39/AAEAAABkAAAAAAAAABQAAABAHwAAAAAAACYAAAAAAAAAwOD//wAAAAAmAAAAZAAAABYAAABMAAAAAAAAAAAAAAAEAAAAAAAAAAEAAACAgIAKAAAAACgAAAAoAAAAZAAAAGQAAAAAAAAAzMzMAAAAAABQAAAAUAAAAGQAAABkAAAAAAAAABcAAAAUAAAAAAAAAAAAAAD/fwAA/38AAAAAAAAJAAAABAAAAO8CAAAeAAAAaAAAAAAAAAAAAAAAAAAAAAAAAAAAAAAAECcAABAnAAAAAAAAAAAAAAAAAAAAAAAAAAAAAAAAAAAAAAAAAAAAABQAAAAAAAAAwMD/AAAAAABkAAAAMgAAAAAAAABkAAAAAAAAAH9/fwAKAAAAIgAAABgAAAAAAAAAAAAAAAAAAAAAAAAAAAAAAAAAAAAkAAAAJAAAAAAAAAAHAAAAAAAAAAAAAAAAAAAAAAAAAAAAAAAAAAAAf39/ACUAAABYAAAAAAAAAAAAAAAAAAAAAAAAAAAAAAAAAAAAAAAAAAAAAAAAAAAAAAAAAAAAAAA/AAAAAAAAAKCGAQAAAAAAAAAAAAAAAAAMAAAAAQAAAAAAAAAAAAAAAAAAAB8AAABUAAAAAAAABQAAAAEAAAAAAAAAAAAAAAAAAAAAAAAAAAAAAAAAAAAAAAAAAAAAAAJ/f38AAAAAA8zMzADAwP8Af39/AAAAAAAAAAAAAAAAAAAAAAAAAAAAIQAAABgAAAAUAAAAwAMAALABAABARwAAuAgAABAAAAAmAAAACAAAAAAAAAAAAAAAMAAAABQAAAAAAAAAAAD//wAAAQAAAP//AAABAA=="/>
               </a:ext>
             </a:extLst>
           </p:cNvSpPr>
@@ -3953,7 +3953,7 @@
             <a:spLocks noGrp="1" noChangeArrowheads="1"/>
             <a:extLst>
               <a:ext uri="smNativeData">
-                <pr:smNativeData xmlns:pr="smNativeData" xmlns="smNativeData" val="SMDATA_16_PryGZxMAAAAlAAAAZAAAAA8BAAAAkAAAAEgAAACQAAAASAAAAAAAAAAAAAAAAAAAAAEAAABQAAAAAAAAAAAA4D8AAAAAAADgPwAAAAAAAOA/AAAAAAAA4D8AAAAAAADgPwAAAAAAAOA/AAAAAAAA4D8AAAAAAADgPwAAAAAAAOA/AAAAAAAA4D8CAAAAjAAAAAAAAAAAAAAAu+DjDP///wgAAAAAAAAAAAAAAAAAAAAAAAAAAAAAAAAAAAAAZAAAAAEAAABAAAAAAAAAAAAAAAAAAAAAAAAAAAAAAAAAAAAAAAAAAAAAAAAAAAAAAAAAAAAAAAAAAAAAAAAAAAAAAAAAAAAAAAAAAAAAAAAAAAAAAAAAAAAAAAAAAAAAFAAAADwAAAAAAAAAAAAAAAAAAAkUAAAAAQAAABQAAAAUAAAAFAAAAAEAAAAAAAAAZAAAAGQAAAAAAAAAZAAAAGQAAAAVAAAAYAAAAAAAAAAAAAAADwAAACADAAAAAAAAAAAAAAEAAACgMgAAVgcAAKr4//8BAAAAf39/AAEAAABkAAAAAAAAABQAAABAHwAAAAAAACYAAAAAAAAAwOD//wAAAAAmAAAAZAAAABYAAABMAAAAAAAAAAAAAAAEAAAAAAAAAAEAAACAgIAKAAAAACgAAAAoAAAAZAAAAGQAAAAAAAAAzMzMAAAAAABQAAAAUAAAAGQAAABkAAAAAAAAABcAAAAUAAAAAAAAAAAAAAD/fwAA/38AAAAAAAAJAAAABAAAAGICAAAeAAAAaAAAAAAAAAAAAAAAAAAAAAAAAAAAAAAAECcAABAnAAAAAAAAAAAAAAAAAAAAAAAAAAAAAAAAAAAAAAAAAAAAABQAAAAAAAAAwMD/AAAAAABkAAAAMgAAAAAAAABkAAAAAAAAAH9/fwAKAAAAIgAAABgAAAAAAAAAAAAAAAAAAAAAAAAAAAAAAAAAAAAkAAAAJAAAAAAAAAAHAAAAAAAAAAAAAAAAAAAAAAAAAAAAAAAAAAAAf39/ACUAAABYAAAAAAAAAAAAAAAAAAAAAAAAAAAAAAAAAAAAAAAAAAAAAAAAAAAAAAAAAAAAAAA/AAAAAAAAAKCGAQAAAAAAAAAAAAAAAAAMAAAAAQAAAAAAAAAAAAAAAAAAAB8AAABUAAAAAAAABQAAAAEAAAAAAAAAAAAAAAAAAAAAAAAAAAAAAAAAAAAAAAAAAAAAAAJ/f38AAAAAA8zMzADAwP8Af39/AAAAAAAAAAAAAAAAAAAAAAAAAAAAIQAAABgAAAAUAAAAwAMAANgJAABARwAAsCUAABAAAAAmAAAACAAAAAAAAAAAAAAAMAAAABQAAAAAAAAAAAD//wAAAQAAAP//AAABAA=="/>
+                <pr:smNativeData xmlns:pr="smNativeData" xmlns="smNativeData" val="SMDATA_16_a8OGZxMAAAAlAAAAZAAAAA8BAAAAkAAAAEgAAACQAAAASAAAAAAAAAAAAAAAAAAAAAEAAABQAAAAAAAAAAAA4D8AAAAAAADgPwAAAAAAAOA/AAAAAAAA4D8AAAAAAADgPwAAAAAAAOA/AAAAAAAA4D8AAAAAAADgPwAAAAAAAOA/AAAAAAAA4D8CAAAAjAAAAAAAAAAAAAAAu+DjDP///wgAAAAAAAAAAAAAAAAAAAAAAAAAAAAAAAAAAAAAZAAAAAEAAABAAAAAAAAAAAAAAAAAAAAAAAAAAAAAAAAAAAAAAAAAAAAAAAAAAAAAAAAAAAAAAAAAAAAAAAAAAAAAAAAAAAAAAAAAAAAAAAAAAAAAAAAAAAAAAAAAAAAAFAAAADwAAAAAAAAAAAAAAAAAAAkUAAAAAQAAABQAAAAUAAAAFAAAAAEAAAAAAAAAZAAAAGQAAAAAAAAAZAAAAGQAAAAVAAAAYAAAAAAAAAAAAAAADwAAACADAAAAAAAAAAAAAAEAAACgMgAAVgcAAKr4//8BAAAAf39/AAEAAABkAAAAAAAAABQAAABAHwAAAAAAACYAAAAAAAAAwOD//wAAAAAmAAAAZAAAABYAAABMAAAAAAAAAAAAAAAEAAAAAAAAAAEAAACAgIAKAAAAACgAAAAoAAAAZAAAAGQAAAAAAAAAzMzMAAAAAABQAAAAUAAAAGQAAABkAAAAAAAAABcAAAAUAAAAAAAAAAAAAAD/fwAA/38AAAAAAAAJAAAABAAAAGICAAAeAAAAaAAAAAAAAAAAAAAAAAAAAAAAAAAAAAAAECcAABAnAAAAAAAAAAAAAAAAAAAAAAAAAAAAAAAAAAAAAAAAAAAAABQAAAAAAAAAwMD/AAAAAABkAAAAMgAAAAAAAABkAAAAAAAAAH9/fwAKAAAAIgAAABgAAAAAAAAAAAAAAAAAAAAAAAAAAAAAAAAAAAAkAAAAJAAAAAAAAAAHAAAAAAAAAAAAAAAAAAAAAAAAAAAAAAAAAAAAf39/ACUAAABYAAAAAAAAAAAAAAAAAAAAAAAAAAAAAAAAAAAAAAAAAAAAAAAAAAAAAAAAAAAAAAA/AAAAAAAAAKCGAQAAAAAAAAAAAAAAAAAMAAAAAQAAAAAAAAAAAAAAAAAAAB8AAABUAAAAAAAABQAAAAEAAAAAAAAAAAAAAAAAAAAAAAAAAAAAAAAAAAAAAAAAAAAAAAJ/f38AAAAAA8zMzADAwP8Af39/AAAAAAAAAAAAAAAAAAAAAAAAAAAAIQAAABgAAAAUAAAAwAMAANgJAABARwAAsCUAAAAAAAAmAAAACAAAAAEAAAAAAAAAMAAAABQAAAAAAAAAAAD//wAAAQAAAP//AAABAA=="/>
               </a:ext>
             </a:extLst>
           </p:cNvSpPr>
@@ -3961,7 +3961,12 @@
             <p:ph type="body" idx="1"/>
           </p:nvPr>
         </p:nvSpPr>
-        <p:spPr/>
+        <p:spPr>
+          <a:xfrm>
+            <a:off x="609600" y="1600200"/>
+            <a:ext cx="10972800" cy="4526280"/>
+          </a:xfrm>
+        </p:spPr>
         <p:txBody>
           <a:bodyPr/>
           <a:lstStyle/>
@@ -3970,13 +3975,14 @@
               <a:buNone/>
             </a:pPr>
             <a:r>
-              <a:t>За счет высокого recall модель удачно включила в результаты акции подходящих компаний, которых не было в тренировке (компании без описаний, только с категорией от брокера):</a:t>
+              <a:t>За счет высокого recall модель удачно включила в результаты акции соответствующих категории компаний, которых не было в тренировке:</a:t>
             </a:r>
           </a:p>
           <a:p>
             <a:pPr>
               <a:buFont typeface="Wingdings" pitchFamily="2" charset="2"/>
               <a:buChar char=""/>
+              <a:defRPr sz="3000" cap="none"/>
             </a:pPr>
             <a:r>
               <a:t>GEMC ЕвроМедЦентр (скриншот прилагается: “ДНК” — генетика);</a:t>
@@ -3986,6 +3992,17 @@
             <a:pPr>
               <a:buFont typeface="Wingdings" pitchFamily="2" charset="2"/>
               <a:buChar char=""/>
+              <a:defRPr sz="3000" cap="none"/>
+            </a:pPr>
+            <a:r>
+              <a:t>МФК Займер: очевидно, применяет ML/DL.</a:t>
+            </a:r>
+          </a:p>
+          <a:p>
+            <a:pPr>
+              <a:buFont typeface="Wingdings" pitchFamily="2" charset="2"/>
+              <a:buChar char=""/>
+              <a:defRPr sz="3000" cap="none"/>
             </a:pPr>
             <a:r>
               <a:t>HHRU HeadHunter: очевидно, применяет ML/AI в работе.</a:t>
@@ -4000,7 +4017,7 @@
             <a:picLocks noChangeAspect="1"/>
             <a:extLst>
               <a:ext uri="smNativeData">
-                <pr:smNativeData xmlns:pr="smNativeData" xmlns="smNativeData" val="SMDATA_18_PryGZxMAAAAlAAAAEQAAAC8BAAAAkAAAAEgAAACQAAAASAAAAAAAAAAAAAAAAAAAAAEAAABQAAAAAAAAAAAA4D8AAAAAAADgPwAAAAAAAOA/AAAAAAAA4D8AAAAAAADgPwAAAAAAAOA/AAAAAAAA4D8AAAAAAADgPwAAAAAAAOA/AAAAAAAA4D8CAAAAjAAAAAAAAAAAAAAAu+DjDP///wgAAAAAAAAAAAAAAAAAAAAAAAAAAAAAAAAAAAAAZAAAAAEAAABAAAAAAAAAAAAAAAAAAAAAAAAAAAAAAAAAAAAAAAAAAAAAAAAAAAAAAAAAAAAAAAAAAAAAAAAAAAAAAAAAAAAAAAAAAAAAAAAAAAAAAAAAAAAAAAAAAAAAFAAAADwAAAAAAAAAAAAAAAAAAAkUAAAAAQAAABQAAAAUAAAAFAAAAAEAAAAAAAAAZAAAAGQAAAAAAAAAZAAAAGQAAAAVAAAAYAAAAAAAAAAAAAAADwAAACADAAAAAAAAAAAAAAEAAACgMgAAVgcAAKr4//8BAAAAf39/AAEAAABkAAAAAAAAABQAAABAHwAAAAAAACYAAAAAAAAAwOD//wAAAAAmAAAAZAAAABYAAABMAAAAAAAAAAAAAAAEAAAAAAAAAAEAAACAgIAKAAAAACgAAAAoAAAAZAAAAGQAAAAAAAAAzMzMAAAAAABQAAAAUAAAAGQAAABkAAAAAAAAAAcAAAA4AAAAAAAAAAAAAAAAAAAA////AAAAAAAAAAAAAAAAAAAAAAAAAAAAAAAAAAAAAABkAAAAZAAAAAAAAAAjAAAABAAAAGQAAAAXAAAAFAAAAAAAAAAAAAAA/38AAP9/AAAAAAAACQAAAAQAAAAAAAAAHgAAAGgAAAAAAAAAAAAAAAAAAAAAAAAAAAAAABAnAAAQJwAAAAAAAAAAAAAAAAAAAAAAAAAAAAAAAAAAAAAAAAAAAAAUAAAAAAAAAMDA/wAAAAAAZAAAADIAAAAAAAAAZAAAAAAAAAB/f38ACgAAACIAAAAYAAAAAAAAAAAAAAAAAAAAAAAAAAAAAAAAAAAAJAAAACQAAAAAAAAABwAAAAAAAAAAAAAAAAAAAAAAAAAAAAAAAAAAAH9/fwAlAAAAWAAAAAAAAAAAAAAAAAAAAAAAAAAAAAAAAAAAAAAAAAAAAAAAAAAAAAAAAAAAAAAAPwAAAAAAAACghgEAAAAAAAAAAAAAAAAADAAAAAEAAAAAAAAAAAAAAAAAAAAfAAAAVAAAALvg4wX///8BAAAAAAAAAAAAAAAAAAAAAAAAAAAAAAAAAAAAAAAAAAAAAAACf39/AICAgAPMzMwAwMD/AH9/fwAAAAAAAAAAAAAAAAD///8AAAAAACEAAAAYAAAAFAAAAMADAAD0IAAAmCsAALAlAAAQAAAAJgAAAAgAAAD//////////zAAAAAUAAAAAAAAAAAA//8AAAEAAAD//wAAAQA="/>
+                <pr:smNativeData xmlns:pr="smNativeData" xmlns="smNativeData" val="SMDATA_18_a8OGZxMAAAAlAAAAEQAAAC8BAAAAkAAAAEgAAACQAAAASAAAAAAAAAAAAAAAAAAAAAEAAABQAAAAAAAAAAAA4D8AAAAAAADgPwAAAAAAAOA/AAAAAAAA4D8AAAAAAADgPwAAAAAAAOA/AAAAAAAA4D8AAAAAAADgPwAAAAAAAOA/AAAAAAAA4D8CAAAAjAAAAAAAAAAAAAAAu+DjDP///wgAAAAAAAAAAAAAAAAAAAAAAAAAAAAAAAAAAAAAZAAAAAEAAABAAAAAAAAAAAAAAAAAAAAAAAAAAAAAAAAAAAAAAAAAAAAAAAAAAAAAAAAAAAAAAAAAAAAAAAAAAAAAAAAAAAAAAAAAAAAAAAAAAAAAAAAAAAAAAAAAAAAAFAAAADwAAAAAAAAAAAAAAAAAAAkUAAAAAQAAABQAAAAUAAAAFAAAAAEAAAAAAAAAZAAAAGQAAAAAAAAAZAAAAGQAAAAVAAAAYAAAAAAAAAAAAAAADwAAACADAAAAAAAAAAAAAAEAAACgMgAAVgcAAKr4//8BAAAAf39/AAEAAABkAAAAAAAAABQAAABAHwAAAAAAACYAAAAAAAAAwOD//wAAAAAmAAAAZAAAABYAAABMAAAAAAAAAAAAAAAEAAAAAAAAAAEAAACAgIAKAAAAACgAAAAoAAAAZAAAAGQAAAAAAAAAzMzMAAAAAABQAAAAUAAAAGQAAABkAAAAAAAAAAcAAAA4AAAAAAAAAAAAAAAAAAAA////AAAAAAAAAAAAAAAAAAAAAAAAAAAAAAAAAAAAAABkAAAAZAAAAAAAAAAjAAAABAAAAGQAAAAXAAAAFAAAAAAAAAAAAAAA/38AAP9/AAAAAAAACQAAAAQAAAAAAAAAHgAAAGgAAAAAAAAAAAAAAAAAAAAAAAAAAAAAABAnAAAQJwAAAAAAAAAAAAAAAAAAAAAAAAAAAAAAAAAAAAAAAAAAAAAUAAAAAAAAAMDA/wAAAAAAZAAAADIAAAAAAAAAZAAAAAAAAAB/f38ACgAAACIAAAAYAAAAAAAAAAAAAAAAAAAAAAAAAAAAAAAAAAAAJAAAACQAAAAAAAAABwAAAAAAAAAAAAAAAAAAAAAAAAAAAAAAAAAAAH9/fwAlAAAAWAAAAAAAAAAAAAAAAAAAAAAAAAAAAAAAAAAAAAAAAAAAAAAAAAAAAAAAAAAAAAAAPwAAAAAAAACghgEAAAAAAAAAAAAAAAAADAAAAAEAAAAAAAAAAAAAAAAAAAAfAAAAVAAAALvg4wX///8BAAAAAAAAAAAAAAAAAAAAAAAAAAAAAAAAAAAAAAAAAAAAAAACf39/AICAgAPMzMwAwMD/AH9/fwAAAAAAAAAAAAAAAAD///8AAAAAACEAAAAYAAAAFAAAAMADAAD0IAAAmCsAALAlAAAQAAAAJgAAAAgAAAD//////////zAAAAAUAAAAAAAAAAAA//8AAAEAAAD//wAAAQA="/>
               </a:ext>
             </a:extLst>
           </p:cNvPicPr>
@@ -4066,7 +4083,7 @@
             <a:spLocks noGrp="1" noChangeArrowheads="1"/>
             <a:extLst>
               <a:ext uri="smNativeData">
-                <pr:smNativeData xmlns:pr="smNativeData" xmlns="smNativeData" val="SMDATA_16_PryGZxMAAAAlAAAAZAAAAA8BAAAAkAAAAEgAAACQAAAASAAAAAAAAAABAAAAAAAAAAEAAABQAAAAAAAAAAAA4D8AAAAAAADgPwAAAAAAAOA/AAAAAAAA4D8AAAAAAADgPwAAAAAAAOA/AAAAAAAA4D8AAAAAAADgPwAAAAAAAOA/AAAAAAAA4D8CAAAAjAAAAAAAAAAAAAAAu+DjDP///wgAAAAAAAAAAAAAAAAAAAAAAAAAAAAAAAAAAAAAZAAAAAEAAABAAAAAAAAAAAAAAAAAAAAAAAAAAAAAAAAAAAAAAAAAAAAAAAAAAAAAAAAAAAAAAAAAAAAAAAAAAAAAAAAAAAAAAAAAAAAAAAAAAAAAAAAAAAAAAAAAAAAAFAAAADwAAAAAAAAAAAAAAAAAAAkUAAAAAQAAABQAAAAUAAAAFAAAAAEAAAAAAAAAZAAAAGQAAAAAAAAAZAAAAGQAAAAVAAAAYAAAAAAAAAAAAAAADwAAACADAAAAAAAAAAAAAAEAAACgMgAAVgcAAKr4//8BAAAAf39/AAEAAABkAAAAAAAAABQAAABAHwAAAAAAACYAAAAAAAAAwOD//wAAAAAmAAAAZAAAABYAAABMAAAAAAAAAAAAAAAEAAAAAAAAAAEAAACAgIAKAAAAACgAAAAoAAAAZAAAAGQAAAAAAAAAzMzMAAAAAABQAAAAUAAAAGQAAABkAAAAAAAAABcAAAAUAAAAAAAAAAAAAAD/fwAA/38AAAAAAAAJAAAABAAAAGICAAAeAAAAaAAAAAAAAAAAAAAAAAAAAAAAAAAAAAAAECcAABAnAAAAAAAAAAAAAAAAAAAAAAAAAAAAAAAAAAAAAAAAAAAAABQAAAAAAAAAwMD/AAAAAABkAAAAMgAAAAAAAABkAAAAAAAAAH9/fwAKAAAAIgAAABgAAAAAAAAAAAAAAAAAAAAAAAAAAAAAAAAAAAAkAAAAJAAAAAAAAAAHAAAAAAAAAAAAAAAAAAAAAAAAAAAAAAAAAAAAf39/ACUAAABYAAAAAAAAAAAAAAAAAAAAAAAAAAAAAAAAAAAAAAAAAAAAAAAAAAAAAAAAAAAAAAA/AAAAAAAAAKCGAQAAAAAAAAAAAAAAAAAMAAAAAQAAAAAAAAAAAAAAAAAAAB8AAABUAAAAAAAABQAAAAEAAAAAAAAAAAAAAAAAAAAAAAAAAAAAAAAAAAAAAAAAAAAAAAJ/f38AAAAAA8zMzADAwP8Af39/AAAAAAAAAAAAAAAAAAAAAAAAAAAAIQAAABgAAAAUAAAAwAMAALABAABARwAAuAgAABAAAAAmAAAACAAAAAAAAAAAAAAAMAAAABQAAAAAAAAAAAD//wAAAQAAAP//AAABAA=="/>
+                <pr:smNativeData xmlns:pr="smNativeData" xmlns="smNativeData" val="SMDATA_16_a8OGZxMAAAAlAAAAZAAAAA8BAAAAkAAAAEgAAACQAAAASAAAAAAAAAABAAAAAAAAAAEAAABQAAAAAAAAAAAA4D8AAAAAAADgPwAAAAAAAOA/AAAAAAAA4D8AAAAAAADgPwAAAAAAAOA/AAAAAAAA4D8AAAAAAADgPwAAAAAAAOA/AAAAAAAA4D8CAAAAjAAAAAAAAAAAAAAAu+DjDP///wgAAAAAAAAAAAAAAAAAAAAAAAAAAAAAAAAAAAAAZAAAAAEAAABAAAAAAAAAAAAAAAAAAAAAAAAAAAAAAAAAAAAAAAAAAAAAAAAAAAAAAAAAAAAAAAAAAAAAAAAAAAAAAAAAAAAAAAAAAAAAAAAAAAAAAAAAAAAAAAAAAAAAFAAAADwAAAAAAAAAAAAAAAAAAAkUAAAAAQAAABQAAAAUAAAAFAAAAAEAAAAAAAAAZAAAAGQAAAAAAAAAZAAAAGQAAAAVAAAAYAAAAAAAAAAAAAAADwAAACADAAAAAAAAAAAAAAEAAACgMgAAVgcAAKr4//8BAAAAf39/AAEAAABkAAAAAAAAABQAAABAHwAAAAAAACYAAAAAAAAAwOD//wAAAAAmAAAAZAAAABYAAABMAAAAAAAAAAAAAAAEAAAAAAAAAAEAAACAgIAKAAAAACgAAAAoAAAAZAAAAGQAAAAAAAAAzMzMAAAAAABQAAAAUAAAAGQAAABkAAAAAAAAABcAAAAUAAAAAAAAAAAAAAD/fwAA/38AAAAAAAAJAAAABAAAAGICAAAeAAAAaAAAAAAAAAAAAAAAAAAAAAAAAAAAAAAAECcAABAnAAAAAAAAAAAAAAAAAAAAAAAAAAAAAAAAAAAAAAAAAAAAABQAAAAAAAAAwMD/AAAAAABkAAAAMgAAAAAAAABkAAAAAAAAAH9/fwAKAAAAIgAAABgAAAAAAAAAAAAAAAAAAAAAAAAAAAAAAAAAAAAkAAAAJAAAAAAAAAAHAAAAAAAAAAAAAAAAAAAAAAAAAAAAAAAAAAAAf39/ACUAAABYAAAAAAAAAAAAAAAAAAAAAAAAAAAAAAAAAAAAAAAAAAAAAAAAAAAAAAAAAAAAAAA/AAAAAAAAAKCGAQAAAAAAAAAAAAAAAAAMAAAAAQAAAAAAAAAAAAAAAAAAAB8AAABUAAAAAAAABQAAAAEAAAAAAAAAAAAAAAAAAAAAAAAAAAAAAAAAAAAAAAAAAAAAAAJ/f38AAAAAA8zMzADAwP8Af39/AAAAAAAAAAAAAAAAAAAAAAAAAAAAIQAAABgAAAAUAAAAwAMAALABAABARwAAuAgAABAAAAAmAAAACAAAAAAAAAAAAAAAMAAAABQAAAAAAAAAAAD//wAAAQAAAP//AAABAA=="/>
               </a:ext>
             </a:extLst>
           </p:cNvSpPr>
@@ -4093,7 +4110,7 @@
             <a:spLocks noGrp="1" noChangeArrowheads="1"/>
             <a:extLst>
               <a:ext uri="smNativeData">
-                <pr:smNativeData xmlns:pr="smNativeData" xmlns="smNativeData" val="SMDATA_16_PryGZxMAAAAlAAAAZAAAAA8BAAAAkAAAAEgAAACQAAAASAAAAAAAAAAAAAAAAAAAAAEAAABQAAAAAAAAAAAA4D8AAAAAAADgPwAAAAAAAOA/AAAAAAAA4D8AAAAAAADgPwAAAAAAAOA/AAAAAAAA4D8AAAAAAADgPwAAAAAAAOA/AAAAAAAA4D8CAAAAjAAAAAAAAAAAAAAAu+DjDP///wgAAAAAAAAAAAAAAAAAAAAAAAAAAAAAAAAAAAAAZAAAAAEAAABAAAAAAAAAAAAAAAAAAAAAAAAAAAAAAAAAAAAAAAAAAAAAAAAAAAAAAAAAAAAAAAAAAAAAAAAAAAAAAAAAAAAAAAAAAAAAAAAAAAAAAAAAAAAAAAAAAAAAFAAAADwAAAAAAAAAAAAAAAAAAAkUAAAAAQAAABQAAAAUAAAAFAAAAAEAAAAAAAAAZAAAAGQAAAAAAAAAZAAAAGQAAAAVAAAAYAAAAAAAAAAAAAAADwAAACADAAAAAAAAAAAAAAEAAACgMgAAVgcAAKr4//8BAAAAf39/AAEAAABkAAAAAAAAABQAAABAHwAAAAAAACYAAAAAAAAAwOD//wAAAAAmAAAAZAAAABYAAABMAAAAAAAAAAAAAAAEAAAAAAAAAAEAAACAgIAKAAAAACgAAAAoAAAAZAAAAGQAAAAAAAAAzMzMAAAAAABQAAAAUAAAAGQAAABkAAAAAAAAABcAAAAUAAAAAAAAAAAAAAD/fwAA/38AAAAAAAAJAAAABAAAAGICAAAeAAAAaAAAAAAAAAAAAAAAAAAAAAAAAAAAAAAAECcAABAnAAAAAAAAAAAAAAAAAAAAAAAAAAAAAAAAAAAAAAAAAAAAABQAAAAAAAAAwMD/AAAAAABkAAAAMgAAAAAAAABkAAAAAAAAAH9/fwAKAAAAIgAAABgAAAAAAAAAAAAAAAAAAAAAAAAAAAAAAAAAAAAkAAAAJAAAAAAAAAAHAAAAAAAAAAAAAAAAAAAAAAAAAAAAAAAAAAAAf39/ACUAAABYAAAAAAAAAAAAAAAAAAAAAAAAAAAAAAAAAAAAAAAAAAAAAAAAAAAAAAAAAAAAAAA/AAAAAAAAAKCGAQAAAAAAAAAAAAAAAAAMAAAAAQAAAAAAAAAAAAAAAAAAAB8AAABUAAAAAAAABQAAAAEAAAAAAAAAAAAAAAAAAAAAAAAAAAAAAAAAAAAAAAAAAAAAAAJ/f38AAAAAA8zMzADAwP8Af39/AAAAAAAAAAAAAAAAAAAAAAAAAAAAIQAAABgAAAAUAAAAwAMAANgJAABARwAAsCUAABAAAAAmAAAACAAAAAAAAAAAAAAAMAAAABQAAAAAAAAAAAD//wAAAQAAAP//AAABAA=="/>
+                <pr:smNativeData xmlns:pr="smNativeData" xmlns="smNativeData" val="SMDATA_16_a8OGZxMAAAAlAAAAZAAAAA8BAAAAkAAAAEgAAACQAAAASAAAAAAAAAAAAAAAAAAAAAEAAABQAAAAAAAAAAAA4D8AAAAAAADgPwAAAAAAAOA/AAAAAAAA4D8AAAAAAADgPwAAAAAAAOA/AAAAAAAA4D8AAAAAAADgPwAAAAAAAOA/AAAAAAAA4D8CAAAAjAAAAAAAAAAAAAAAu+DjDP///wgAAAAAAAAAAAAAAAAAAAAAAAAAAAAAAAAAAAAAZAAAAAEAAABAAAAAAAAAAAAAAAAAAAAAAAAAAAAAAAAAAAAAAAAAAAAAAAAAAAAAAAAAAAAAAAAAAAAAAAAAAAAAAAAAAAAAAAAAAAAAAAAAAAAAAAAAAAAAAAAAAAAAFAAAADwAAAAAAAAAAAAAAAAAAAkUAAAAAQAAABQAAAAUAAAAFAAAAAEAAAAAAAAAZAAAAGQAAAAAAAAAZAAAAGQAAAAVAAAAYAAAAAAAAAAAAAAADwAAACADAAAAAAAAAAAAAAEAAACgMgAAVgcAAKr4//8BAAAAf39/AAEAAABkAAAAAAAAABQAAABAHwAAAAAAACYAAAAAAAAAwOD//wAAAAAmAAAAZAAAABYAAABMAAAAAAAAAAAAAAAEAAAAAAAAAAEAAACAgIAKAAAAACgAAAAoAAAAZAAAAGQAAAAAAAAAzMzMAAAAAABQAAAAUAAAAGQAAABkAAAAAAAAABcAAAAUAAAAAAAAAAAAAAD/fwAA/38AAAAAAAAJAAAABAAAAGICAAAeAAAAaAAAAAAAAAAAAAAAAAAAAAAAAAAAAAAAECcAABAnAAAAAAAAAAAAAAAAAAAAAAAAAAAAAAAAAAAAAAAAAAAAABQAAAAAAAAAwMD/AAAAAABkAAAAMgAAAAAAAABkAAAAAAAAAH9/fwAKAAAAIgAAABgAAAAAAAAAAAAAAAAAAAAAAAAAAAAAAAAAAAAkAAAAJAAAAAAAAAAHAAAAAAAAAAAAAAAAAAAAAAAAAAAAAAAAAAAAf39/ACUAAABYAAAAAAAAAAAAAAAAAAAAAAAAAAAAAAAAAAAAAAAAAAAAAAAAAAAAAAAAAAAAAAA/AAAAAAAAAKCGAQAAAAAAAAAAAAAAAAAMAAAAAQAAAAAAAAAAAAAAAAAAAB8AAABUAAAAAAAABQAAAAEAAAAAAAAAAAAAAAAAAAAAAAAAAAAAAAAAAAAAAAAAAAAAAAJ/f38AAAAAA8zMzADAwP8Af39/AAAAAAAAAAAAAAAAAAAAAAAAAAAAIQAAABgAAAAUAAAAwAMAANgJAABARwAAsCUAABAAAAAmAAAACAAAAAAAAAAAAAAAMAAAABQAAAAAAAAAAAD//wAAAQAAAP//AAABAA=="/>
               </a:ext>
             </a:extLst>
           </p:cNvSpPr>
@@ -4174,7 +4191,7 @@
             <a:spLocks noGrp="1" noChangeArrowheads="1"/>
             <a:extLst>
               <a:ext uri="smNativeData">
-                <pr:smNativeData xmlns:pr="smNativeData" xmlns="smNativeData" val="SMDATA_16_PryGZxMAAAAlAAAAZAAAAA8BAAAAkAAAAEgAAACQAAAASAAAAAAAAAABAAAAAAAAAAEAAABQAAAAAAAAAAAA4D8AAAAAAADgPwAAAAAAAOA/AAAAAAAA4D8AAAAAAADgPwAAAAAAAOA/AAAAAAAA4D8AAAAAAADgPwAAAAAAAOA/AAAAAAAA4D8CAAAAjAAAAAAAAAAAAAAAu+DjDP///wgAAAAAAAAAAAAAAAAAAAAAAAAAAAAAAAAAAAAAZAAAAAEAAABAAAAAAAAAAAAAAAAAAAAAAAAAAAAAAAAAAAAAAAAAAAAAAAAAAAAAAAAAAAAAAAAAAAAAAAAAAAAAAAAAAAAAAAAAAAAAAAAAAAAAAAAAAAAAAAAAAAAAFAAAADwAAAAAAAAAAAAAAAAAAAkUAAAAAQAAABQAAAAUAAAAFAAAAAEAAAAAAAAAZAAAAGQAAAAAAAAAZAAAAGQAAAAVAAAAYAAAAAAAAAAAAAAADwAAACADAAAAAAAAAAAAAAEAAACgMgAAVgcAAKr4//8BAAAAf39/AAEAAABkAAAAAAAAABQAAABAHwAAAAAAACYAAAAAAAAAwOD//wAAAAAmAAAAZAAAABYAAABMAAAAAAAAAAAAAAAEAAAAAAAAAAEAAACAgIAKAAAAACgAAAAoAAAAZAAAAGQAAAAAAAAAzMzMAAAAAABQAAAAUAAAAGQAAABkAAAAAAAAABcAAAAUAAAAAAAAAAAAAAD/fwAA/38AAAAAAAAJAAAABAAAANEAAAAeAAAAaAAAAAAAAAAAAAAAAAAAAAAAAAAAAAAAECcAABAnAAAAAAAAAAAAAAAAAAAAAAAAAAAAAAAAAAAAAAAAAAAAABQAAAAAAAAAwMD/AAAAAABkAAAAMgAAAAAAAABkAAAAAAAAAH9/fwAKAAAAIgAAABgAAAAAAAAAAAAAAAAAAAAAAAAAAAAAAAAAAAAkAAAAJAAAAAAAAAAHAAAAAAAAAAAAAAAAAAAAAAAAAAAAAAAAAAAAf39/ACUAAABYAAAAAAAAAAAAAAAAAAAAAAAAAAAAAAAAAAAAAAAAAAAAAAAAAAAAAAAAAAAAAAA/AAAAAAAAAKCGAQAAAAAAAAAAAAAAAAAMAAAAAQAAAAAAAAAAAAAAAAAAAB8AAABUAAAAAAAABQAAAAEAAAAAAAAAAAAAAAAAAAAAAAAAAAAAAAAAAAAAAAAAAAAAAAJ/f38AAAAAA8zMzADAwP8Af39/AAAAAAAAAAAAAAAAAAAAAAAAAAAAIQAAABgAAAAUAAAAwAMAALABAABARwAAuAgAABAAAAAmAAAACAAAAAAAAAAAAAAAMAAAABQAAAAAAAAAAAD//wAAAQAAAP//AAABAA=="/>
+                <pr:smNativeData xmlns:pr="smNativeData" xmlns="smNativeData" val="SMDATA_16_a8OGZxMAAAAlAAAAZAAAAA8BAAAAkAAAAEgAAACQAAAASAAAAAAAAAABAAAAAAAAAAEAAABQAAAAAAAAAAAA4D8AAAAAAADgPwAAAAAAAOA/AAAAAAAA4D8AAAAAAADgPwAAAAAAAOA/AAAAAAAA4D8AAAAAAADgPwAAAAAAAOA/AAAAAAAA4D8CAAAAjAAAAAAAAAAAAAAAu+DjDP///wgAAAAAAAAAAAAAAAAAAAAAAAAAAAAAAAAAAAAAZAAAAAEAAABAAAAAAAAAAAAAAAAAAAAAAAAAAAAAAAAAAAAAAAAAAAAAAAAAAAAAAAAAAAAAAAAAAAAAAAAAAAAAAAAAAAAAAAAAAAAAAAAAAAAAAAAAAAAAAAAAAAAAFAAAADwAAAAAAAAAAAAAAAAAAAkUAAAAAQAAABQAAAAUAAAAFAAAAAEAAAAAAAAAZAAAAGQAAAAAAAAAZAAAAGQAAAAVAAAAYAAAAAAAAAAAAAAADwAAACADAAAAAAAAAAAAAAEAAACgMgAAVgcAAKr4//8BAAAAf39/AAEAAABkAAAAAAAAABQAAABAHwAAAAAAACYAAAAAAAAAwOD//wAAAAAmAAAAZAAAABYAAABMAAAAAAAAAAAAAAAEAAAAAAAAAAEAAACAgIAKAAAAACgAAAAoAAAAZAAAAGQAAAAAAAAAzMzMAAAAAABQAAAAUAAAAGQAAABkAAAAAAAAABcAAAAUAAAAAAAAAAAAAAD/fwAA/38AAAAAAAAJAAAABAAAANEAAAAeAAAAaAAAAAAAAAAAAAAAAAAAAAAAAAAAAAAAECcAABAnAAAAAAAAAAAAAAAAAAAAAAAAAAAAAAAAAAAAAAAAAAAAABQAAAAAAAAAwMD/AAAAAABkAAAAMgAAAAAAAABkAAAAAAAAAH9/fwAKAAAAIgAAABgAAAAAAAAAAAAAAAAAAAAAAAAAAAAAAAAAAAAkAAAAJAAAAAAAAAAHAAAAAAAAAAAAAAAAAAAAAAAAAAAAAAAAAAAAf39/ACUAAABYAAAAAAAAAAAAAAAAAAAAAAAAAAAAAAAAAAAAAAAAAAAAAAAAAAAAAAAAAAAAAAA/AAAAAAAAAKCGAQAAAAAAAAAAAAAAAAAMAAAAAQAAAAAAAAAAAAAAAAAAAB8AAABUAAAAAAAABQAAAAEAAAAAAAAAAAAAAAAAAAAAAAAAAAAAAAAAAAAAAAAAAAAAAAJ/f38AAAAAA8zMzADAwP8Af39/AAAAAAAAAAAAAAAAAAAAAAAAAAAAIQAAABgAAAAUAAAAwAMAALABAABARwAAuAgAABAAAAAmAAAACAAAAAAAAAAAAAAAMAAAABQAAAAAAAAAAAD//wAAAQAAAP//AAABAA=="/>
               </a:ext>
             </a:extLst>
           </p:cNvSpPr>
@@ -4201,7 +4218,7 @@
             <a:spLocks noGrp="1" noChangeArrowheads="1"/>
             <a:extLst>
               <a:ext uri="smNativeData">
-                <pr:smNativeData xmlns:pr="smNativeData" xmlns="smNativeData" val="SMDATA_16_PryGZxMAAAAlAAAAZAAAAA8BAAAAkAAAAEgAAACQAAAASAAAAAAAAAAAAAAAAAAAAAEAAABQAAAAAAAAAAAA4D8AAAAAAADgPwAAAAAAAOA/AAAAAAAA4D8AAAAAAADgPwAAAAAAAOA/AAAAAAAA4D8AAAAAAADgPwAAAAAAAOA/AAAAAAAA4D8CAAAAjAAAAAAAAAAAAAAAu+DjDP///wgAAAAAAAAAAAAAAAAAAAAAAAAAAAAAAAAAAAAAZAAAAAEAAABAAAAAAAAAAAAAAAAAAAAAAAAAAAAAAAAAAAAAAAAAAAAAAAAAAAAAAAAAAAAAAAAAAAAAAAAAAAAAAAAAAAAAAAAAAAAAAAAAAAAAAAAAAAAAAAAAAAAAFAAAADwAAAAAAAAAAAAAAAAAAAkUAAAAAQAAABQAAAAUAAAAFAAAAAEAAAAAAAAAZAAAAGQAAAAAAAAAZAAAAGQAAAAVAAAAYAAAAAAAAAAAAAAADwAAACADAAAAAAAAAAAAAAEAAACgMgAAVgcAAKr4//8BAAAAf39/AAEAAABkAAAAAAAAABQAAABAHwAAAAAAACYAAAAAAAAAwOD//wAAAAAmAAAAZAAAABYAAABMAAAAAAAAAAAAAAAEAAAAAAAAAAEAAACAgIAKAAAAACgAAAAoAAAAZAAAAGQAAAAAAAAAzMzMAAAAAABQAAAAUAAAAGQAAABkAAAAAAAAABcAAAAUAAAAAAAAAAAAAAD/fwAA/38AAAAAAAAJAAAABAAAAO8CAAAeAAAAaAAAAAAAAAAAAAAAAAAAAAAAAAAAAAAAECcAABAnAAAAAAAAAAAAAAAAAAAAAAAAAAAAAAAAAAAAAAAAAAAAABQAAAAAAAAAwMD/AAAAAABkAAAAMgAAAAAAAABkAAAAAAAAAH9/fwAKAAAAIgAAABgAAAAAAAAAAAAAAAAAAAAAAAAAAAAAAAAAAAAkAAAAJAAAAAAAAAAHAAAAAAAAAAAAAAAAAAAAAAAAAAAAAAAAAAAAf39/ACUAAABYAAAAAAAAAAAAAAAAAAAAAAAAAAAAAAAAAAAAAAAAAAAAAAAAAAAAAAAAAAAAAAA/AAAAAAAAAKCGAQAAAAAAAAAAAAAAAAAMAAAAAQAAAAAAAAAAAAAAAAAAAB8AAABUAAAAAAAABQAAAAEAAAAAAAAAAAAAAAAAAAAAAAAAAAAAAAAAAAAAAAAAAAAAAAJ/f38AAAAAA8zMzADAwP8Af39/AAAAAAAAAAAAAAAAAAAAAAAAAAAAIQAAABgAAAAUAAAAwAMAANgJAABARwAAsCUAABAAAAAmAAAACAAAAAAAAAAAAAAAMAAAABQAAAAAAAAAAAD//wAAAQAAAP//AAABAA=="/>
+                <pr:smNativeData xmlns:pr="smNativeData" xmlns="smNativeData" val="SMDATA_16_a8OGZxMAAAAlAAAAZAAAAA8BAAAAkAAAAEgAAACQAAAASAAAAAAAAAAAAAAAAAAAAAEAAABQAAAAAAAAAAAA4D8AAAAAAADgPwAAAAAAAOA/AAAAAAAA4D8AAAAAAADgPwAAAAAAAOA/AAAAAAAA4D8AAAAAAADgPwAAAAAAAOA/AAAAAAAA4D8CAAAAjAAAAAAAAAAAAAAAu+DjDP///wgAAAAAAAAAAAAAAAAAAAAAAAAAAAAAAAAAAAAAZAAAAAEAAABAAAAAAAAAAAAAAAAAAAAAAAAAAAAAAAAAAAAAAAAAAAAAAAAAAAAAAAAAAAAAAAAAAAAAAAAAAAAAAAAAAAAAAAAAAAAAAAAAAAAAAAAAAAAAAAAAAAAAFAAAADwAAAAAAAAAAAAAAAAAAAkUAAAAAQAAABQAAAAUAAAAFAAAAAEAAAAAAAAAZAAAAGQAAAAAAAAAZAAAAGQAAAAVAAAAYAAAAAAAAAAAAAAADwAAACADAAAAAAAAAAAAAAEAAACgMgAAVgcAAKr4//8BAAAAf39/AAEAAABkAAAAAAAAABQAAABAHwAAAAAAACYAAAAAAAAAwOD//wAAAAAmAAAAZAAAABYAAABMAAAAAAAAAAAAAAAEAAAAAAAAAAEAAACAgIAKAAAAACgAAAAoAAAAZAAAAGQAAAAAAAAAzMzMAAAAAABQAAAAUAAAAGQAAABkAAAAAAAAABcAAAAUAAAAAAAAAAAAAAD/fwAA/38AAAAAAAAJAAAABAAAAO8CAAAeAAAAaAAAAAAAAAAAAAAAAAAAAAAAAAAAAAAAECcAABAnAAAAAAAAAAAAAAAAAAAAAAAAAAAAAAAAAAAAAAAAAAAAABQAAAAAAAAAwMD/AAAAAABkAAAAMgAAAAAAAABkAAAAAAAAAH9/fwAKAAAAIgAAABgAAAAAAAAAAAAAAAAAAAAAAAAAAAAAAAAAAAAkAAAAJAAAAAAAAAAHAAAAAAAAAAAAAAAAAAAAAAAAAAAAAAAAAAAAf39/ACUAAABYAAAAAAAAAAAAAAAAAAAAAAAAAAAAAAAAAAAAAAAAAAAAAAAAAAAAAAAAAAAAAAA/AAAAAAAAAKCGAQAAAAAAAAAAAAAAAAAMAAAAAQAAAAAAAAAAAAAAAAAAAB8AAABUAAAAAAAABQAAAAEAAAAAAAAAAAAAAAAAAAAAAAAAAAAAAAAAAAAAAAAAAAAAAAJ/f38AAAAAA8zMzADAwP8Af39/AAAAAAAAAAAAAAAAAAAAAAAAAAAAIQAAABgAAAAUAAAAwAMAANgJAABARwAAsCUAABAAAAAmAAAACAAAAAAAAAAAAAAAMAAAABQAAAAAAAAAAAD//wAAAQAAAP//AAABAA=="/>
               </a:ext>
             </a:extLst>
           </p:cNvSpPr>
@@ -4262,7 +4279,7 @@
             <a:spLocks noGrp="1" noChangeArrowheads="1"/>
             <a:extLst>
               <a:ext uri="smNativeData">
-                <pr:smNativeData xmlns:pr="smNativeData" xmlns="smNativeData" val="SMDATA_16_PryGZxMAAAAlAAAAZAAAAA8BAAAAkAAAAEgAAACQAAAASAAAAAAAAAABAAAAAAAAAAEAAABQAAAAAAAAAAAA4D8AAAAAAADgPwAAAAAAAOA/AAAAAAAA4D8AAAAAAADgPwAAAAAAAOA/AAAAAAAA4D8AAAAAAADgPwAAAAAAAOA/AAAAAAAA4D8CAAAAjAAAAAAAAAAAAAAAu+DjDP///wgAAAAAAAAAAAAAAAAAAAAAAAAAAAAAAAAAAAAAZAAAAAEAAABAAAAAAAAAAAAAAAAAAAAAAAAAAAAAAAAAAAAAAAAAAAAAAAAAAAAAAAAAAAAAAAAAAAAAAAAAAAAAAAAAAAAAAAAAAAAAAAAAAAAAAAAAAAAAAAAAAAAAFAAAADwAAAAAAAAAAAAAAAAAAAkUAAAAAQAAABQAAAAUAAAAFAAAAAEAAAAAAAAAZAAAAGQAAAAAAAAAZAAAAGQAAAAVAAAAYAAAAAAAAAAAAAAADwAAACADAAAAAAAAAAAAAAEAAACgMgAAVgcAAKr4//8BAAAAf39/AAEAAABkAAAAAAAAABQAAABAHwAAAAAAACYAAAAAAAAAwOD//wAAAAAmAAAAZAAAABYAAABMAAAAAAAAAAAAAAAEAAAAAAAAAAEAAACAgIAKAAAAACgAAAAoAAAAZAAAAGQAAAAAAAAAzMzMAAAAAABQAAAAUAAAAGQAAABkAAAAAAAAABcAAAAUAAAAAAAAAAAAAAD/fwAA/38AAAAAAAAJAAAABAAAANEAAAAeAAAAaAAAAAAAAAAAAAAAAAAAAAAAAAAAAAAAECcAABAnAAAAAAAAAAAAAAAAAAAAAAAAAAAAAAAAAAAAAAAAAAAAABQAAAAAAAAAwMD/AAAAAABkAAAAMgAAAAAAAABkAAAAAAAAAH9/fwAKAAAAIgAAABgAAAAAAAAAAAAAAAAAAAAAAAAAAAAAAAAAAAAkAAAAJAAAAAAAAAAHAAAAAAAAAAAAAAAAAAAAAAAAAAAAAAAAAAAAf39/ACUAAABYAAAAAAAAAAAAAAAAAAAAAAAAAAAAAAAAAAAAAAAAAAAAAAAAAAAAAAAAAAAAAAA/AAAAAAAAAKCGAQAAAAAAAAAAAAAAAAAMAAAAAQAAAAAAAAAAAAAAAAAAAB8AAABUAAAAAAAABQAAAAEAAAAAAAAAAAAAAAAAAAAAAAAAAAAAAAAAAAAAAAAAAAAAAAJ/f38AAAAAA8zMzADAwP8Af39/AAAAAAAAAAAAAAAAAAAAAAAAAAAAIQAAABgAAAAUAAAAwAMAALABAABARwAAuAgAABAAAAAmAAAACAAAAAAAAAAAAAAAMAAAABQAAAAAAAAAAAD//wAAAQAAAP//AAABAA=="/>
+                <pr:smNativeData xmlns:pr="smNativeData" xmlns="smNativeData" val="SMDATA_16_a8OGZxMAAAAlAAAAZAAAAA8BAAAAkAAAAEgAAACQAAAASAAAAAAAAAABAAAAAAAAAAEAAABQAAAAAAAAAAAA4D8AAAAAAADgPwAAAAAAAOA/AAAAAAAA4D8AAAAAAADgPwAAAAAAAOA/AAAAAAAA4D8AAAAAAADgPwAAAAAAAOA/AAAAAAAA4D8CAAAAjAAAAAAAAAAAAAAAu+DjDP///wgAAAAAAAAAAAAAAAAAAAAAAAAAAAAAAAAAAAAAZAAAAAEAAABAAAAAAAAAAAAAAAAAAAAAAAAAAAAAAAAAAAAAAAAAAAAAAAAAAAAAAAAAAAAAAAAAAAAAAAAAAAAAAAAAAAAAAAAAAAAAAAAAAAAAAAAAAAAAAAAAAAAAFAAAADwAAAAAAAAAAAAAAAAAAAkUAAAAAQAAABQAAAAUAAAAFAAAAAEAAAAAAAAAZAAAAGQAAAAAAAAAZAAAAGQAAAAVAAAAYAAAAAAAAAAAAAAADwAAACADAAAAAAAAAAAAAAEAAACgMgAAVgcAAKr4//8BAAAAf39/AAEAAABkAAAAAAAAABQAAABAHwAAAAAAACYAAAAAAAAAwOD//wAAAAAmAAAAZAAAABYAAABMAAAAAAAAAAAAAAAEAAAAAAAAAAEAAACAgIAKAAAAACgAAAAoAAAAZAAAAGQAAAAAAAAAzMzMAAAAAABQAAAAUAAAAGQAAABkAAAAAAAAABcAAAAUAAAAAAAAAAAAAAD/fwAA/38AAAAAAAAJAAAABAAAANEAAAAeAAAAaAAAAAAAAAAAAAAAAAAAAAAAAAAAAAAAECcAABAnAAAAAAAAAAAAAAAAAAAAAAAAAAAAAAAAAAAAAAAAAAAAABQAAAAAAAAAwMD/AAAAAABkAAAAMgAAAAAAAABkAAAAAAAAAH9/fwAKAAAAIgAAABgAAAAAAAAAAAAAAAAAAAAAAAAAAAAAAAAAAAAkAAAAJAAAAAAAAAAHAAAAAAAAAAAAAAAAAAAAAAAAAAAAAAAAAAAAf39/ACUAAABYAAAAAAAAAAAAAAAAAAAAAAAAAAAAAAAAAAAAAAAAAAAAAAAAAAAAAAAAAAAAAAA/AAAAAAAAAKCGAQAAAAAAAAAAAAAAAAAMAAAAAQAAAAAAAAAAAAAAAAAAAB8AAABUAAAAAAAABQAAAAEAAAAAAAAAAAAAAAAAAAAAAAAAAAAAAAAAAAAAAAAAAAAAAAJ/f38AAAAAA8zMzADAwP8Af39/AAAAAAAAAAAAAAAAAAAAAAAAAAAAIQAAABgAAAAUAAAAwAMAALABAABARwAAuAgAABAAAAAmAAAACAAAAAAAAAAAAAAAMAAAABQAAAAAAAAAAAD//wAAAQAAAP//AAABAA=="/>
               </a:ext>
             </a:extLst>
           </p:cNvSpPr>
@@ -4289,7 +4306,7 @@
             <a:spLocks noGrp="1" noChangeArrowheads="1"/>
             <a:extLst>
               <a:ext uri="smNativeData">
-                <pr:smNativeData xmlns:pr="smNativeData" xmlns="smNativeData" val="SMDATA_16_PryGZxMAAAAlAAAAZAAAAA8BAAAAkAAAAEgAAACQAAAASAAAAAAAAAAAAAAAAAAAAAEAAABQAAAAAAAAAAAA4D8AAAAAAADgPwAAAAAAAOA/AAAAAAAA4D8AAAAAAADgPwAAAAAAAOA/AAAAAAAA4D8AAAAAAADgPwAAAAAAAOA/AAAAAAAA4D8CAAAAjAAAAAAAAAAAAAAAu+DjDP///wgAAAAAAAAAAAAAAAAAAAAAAAAAAAAAAAAAAAAAZAAAAAEAAABAAAAAAAAAAAAAAAAAAAAAAAAAAAAAAAAAAAAAAAAAAAAAAAAAAAAAAAAAAAAAAAAAAAAAAAAAAAAAAAAAAAAAAAAAAAAAAAAAAAAAAAAAAAAAAAAAAAAAFAAAADwAAAAAAAAAAAAAAAAAAAkUAAAAAQAAABQAAAAUAAAAFAAAAAEAAAAAAAAAZAAAAGQAAAAAAAAAZAAAAGQAAAAVAAAAYAAAAAAAAAAAAAAADwAAACADAAAAAAAAAAAAAAEAAACgMgAAVgcAAKr4//8BAAAAf39/AAEAAABkAAAAAAAAABQAAABAHwAAAAAAACYAAAAAAAAAwOD//wAAAAAmAAAAZAAAABYAAABMAAAAAAAAAAAAAAAEAAAAAAAAAAEAAACAgIAKAAAAACgAAAAoAAAAZAAAAGQAAAAAAAAAzMzMAAAAAABQAAAAUAAAAGQAAABkAAAAAAAAABcAAAAUAAAAAAAAAAAAAAD/fwAA/38AAAAAAAAJAAAABAAAAD0iLTUeAAAAaAAAAAAAAAAAAAAAAAAAAAAAAAAAAAAAECcAABAnAAAAAAAAAAAAAAAAAAAAAAAAAAAAAAAAAAAAAAAAAAAAABQAAAAAAAAAwMD/AAAAAABkAAAAMgAAAAAAAABkAAAAAAAAAH9/fwAKAAAAIgAAABgAAAAAAAAAAAAAAAAAAAAAAAAAAAAAAAAAAAAkAAAAJAAAAAAAAAAHAAAAAAAAAAAAAAAAAAAAAAAAAAAAAAAAAAAAf39/ACUAAABYAAAAAAAAAAAAAAAAAAAAAAAAAAAAAAAAAAAAAAAAAAAAAAAAAAAAAAAAAAAAAAA/AAAAAAAAAKCGAQAAAAAAAAAAAAAAAAAMAAAAAQAAAAAAAAAAAAAAAAAAAB8AAABUAAAAAAAABQAAAAEAAAAAAAAAAAAAAAAAAAAAAAAAAAAAAAAAAAAAAAAAAAAAAAJ/f38AAAAAA8zMzADAwP8Af39/AAAAAAAAAAAAAAAAAAAAAAAAAAAAIQAAABgAAAAUAAAAwAMAANgJAABARwAAsCUAABAAAAAmAAAACAAAAAAAAAAAAAAAMAAAABQAAAAAAAAAAAD//wAAAQAAAP//AAABAA=="/>
+                <pr:smNativeData xmlns:pr="smNativeData" xmlns="smNativeData" val="SMDATA_16_a8OGZxMAAAAlAAAAZAAAAA8BAAAAkAAAAEgAAACQAAAASAAAAAAAAAAAAAAAAAAAAAEAAABQAAAAAAAAAAAA4D8AAAAAAADgPwAAAAAAAOA/AAAAAAAA4D8AAAAAAADgPwAAAAAAAOA/AAAAAAAA4D8AAAAAAADgPwAAAAAAAOA/AAAAAAAA4D8CAAAAjAAAAAAAAAAAAAAAu+DjDP///wgAAAAAAAAAAAAAAAAAAAAAAAAAAAAAAAAAAAAAZAAAAAEAAABAAAAAAAAAAAAAAAAAAAAAAAAAAAAAAAAAAAAAAAAAAAAAAAAAAAAAAAAAAAAAAAAAAAAAAAAAAAAAAAAAAAAAAAAAAAAAAAAAAAAAAAAAAAAAAAAAAAAAFAAAADwAAAAAAAAAAAAAAAAAAAkUAAAAAQAAABQAAAAUAAAAFAAAAAEAAAAAAAAAZAAAAGQAAAAAAAAAZAAAAGQAAAAVAAAAYAAAAAAAAAAAAAAADwAAACADAAAAAAAAAAAAAAEAAACgMgAAVgcAAKr4//8BAAAAf39/AAEAAABkAAAAAAAAABQAAABAHwAAAAAAACYAAAAAAAAAwOD//wAAAAAmAAAAZAAAABYAAABMAAAAAAAAAAAAAAAEAAAAAAAAAAEAAACAgIAKAAAAACgAAAAoAAAAZAAAAGQAAAAAAAAAzMzMAAAAAABQAAAAUAAAAGQAAABkAAAAAAAAABcAAAAUAAAAAAAAAAAAAAD/fwAA/38AAAAAAAAJAAAABAAAAD0iLTUeAAAAaAAAAAAAAAAAAAAAAAAAAAAAAAAAAAAAECcAABAnAAAAAAAAAAAAAAAAAAAAAAAAAAAAAAAAAAAAAAAAAAAAABQAAAAAAAAAwMD/AAAAAABkAAAAMgAAAAAAAABkAAAAAAAAAH9/fwAKAAAAIgAAABgAAAAAAAAAAAAAAAAAAAAAAAAAAAAAAAAAAAAkAAAAJAAAAAAAAAAHAAAAAAAAAAAAAAAAAAAAAAAAAAAAAAAAAAAAf39/ACUAAABYAAAAAAAAAAAAAAAAAAAAAAAAAAAAAAAAAAAAAAAAAAAAAAAAAAAAAAAAAAAAAAA/AAAAAAAAAKCGAQAAAAAAAAAAAAAAAAAMAAAAAQAAAAAAAAAAAAAAAAAAAB8AAABUAAAAAAAABQAAAAEAAAAAAAAAAAAAAAAAAAAAAAAAAAAAAAAAAAAAAAAAAAAAAAJ/f38AAAAAA8zMzADAwP8Af39/AAAAAAAAAAAAAAAAAAAAAAAAAAAAIQAAABgAAAAUAAAAwAMAANgJAABARwAAsCUAABAAAAAmAAAACAAAAAAAAAAAAAAAMAAAABQAAAAAAAAAAAD//wAAAQAAAP//AAABAA=="/>
               </a:ext>
             </a:extLst>
           </p:cNvSpPr>
@@ -4378,7 +4395,7 @@
             <a:spLocks noGrp="1" noChangeArrowheads="1"/>
             <a:extLst>
               <a:ext uri="smNativeData">
-                <pr:smNativeData xmlns:pr="smNativeData" xmlns="smNativeData" val="SMDATA_16_PryGZxMAAAAlAAAAZAAAAA8BAAAAkAAAAEgAAACQAAAASAAAAAAAAAABAAAAAAAAAAEAAABQAAAAAAAAAAAA4D8AAAAAAADgPwAAAAAAAOA/AAAAAAAA4D8AAAAAAADgPwAAAAAAAOA/AAAAAAAA4D8AAAAAAADgPwAAAAAAAOA/AAAAAAAA4D8CAAAAjAAAAAAAAAAAAAAAu+DjDP///wgAAAAAAAAAAAAAAAAAAAAAAAAAAAAAAAAAAAAAZAAAAAEAAABAAAAAAAAAAAAAAAAAAAAAAAAAAAAAAAAAAAAAAAAAAAAAAAAAAAAAAAAAAAAAAAAAAAAAAAAAAAAAAAAAAAAAAAAAAAAAAAAAAAAAAAAAAAAAAAAAAAAAFAAAADwAAAAAAAAAAAAAAAAAAAkUAAAAAQAAABQAAAAUAAAAFAAAAAEAAAAAAAAAZAAAAGQAAAAAAAAAZAAAAGQAAAAVAAAAYAAAAAAAAAAAAAAADwAAACADAAAAAAAAAAAAAAEAAACgMgAAVgcAAKr4//8BAAAAf39/AAEAAABkAAAAAAAAABQAAABAHwAAAAAAACYAAAAAAAAAwOD//wAAAAAmAAAAZAAAABYAAABMAAAAAAAAAAAAAAAEAAAAAAAAAAEAAACAgIAKAAAAACgAAAAoAAAAZAAAAGQAAAAAAAAAzMzMAAAAAABQAAAAUAAAAGQAAABkAAAAAAAAABcAAAAUAAAAAAAAAAAAAAD/fwAA/38AAAAAAAAJAAAABAAAAAIAAAAeAAAAaAAAAAAAAAAAAAAAAAAAAAAAAAAAAAAAECcAABAnAAAAAAAAAAAAAAAAAAAAAAAAAAAAAAAAAAAAAAAAAAAAABQAAAAAAAAAwMD/AAAAAABkAAAAMgAAAAAAAABkAAAAAAAAAH9/fwAKAAAAIgAAABgAAAAAAAAAAAAAAAAAAAAAAAAAAAAAAAAAAAAkAAAAJAAAAAAAAAAHAAAAAAAAAAAAAAAAAAAAAAAAAAAAAAAAAAAAf39/ACUAAABYAAAAAAAAAAAAAAAAAAAAAAAAAAAAAAAAAAAAAAAAAAAAAAAAAAAAAAAAAAAAAAA/AAAAAAAAAKCGAQAAAAAAAAAAAAAAAAAMAAAAAQAAAAAAAAAAAAAAAAAAAB8AAABUAAAAAAAABQAAAAEAAAAAAAAAAAAAAAAAAAAAAAAAAAAAAAAAAAAAAAAAAAAAAAJ/f38AAAAAA8zMzADAwP8Af39/AAAAAAAAAAAAAAAAAAAAAAAAAAAAIQAAABgAAAAUAAAAwAMAALABAABARwAAuAgAABAAAAAmAAAACAAAAAAAAAAAAAAAMAAAABQAAAAAAAAAAAD//wAAAQAAAP//AAABAA=="/>
+                <pr:smNativeData xmlns:pr="smNativeData" xmlns="smNativeData" val="SMDATA_16_a8OGZxMAAAAlAAAAZAAAAA8BAAAAkAAAAEgAAACQAAAASAAAAAAAAAABAAAAAAAAAAEAAABQAAAAAAAAAAAA4D8AAAAAAADgPwAAAAAAAOA/AAAAAAAA4D8AAAAAAADgPwAAAAAAAOA/AAAAAAAA4D8AAAAAAADgPwAAAAAAAOA/AAAAAAAA4D8CAAAAjAAAAAAAAAAAAAAAu+DjDP///wgAAAAAAAAAAAAAAAAAAAAAAAAAAAAAAAAAAAAAZAAAAAEAAABAAAAAAAAAAAAAAAAAAAAAAAAAAAAAAAAAAAAAAAAAAAAAAAAAAAAAAAAAAAAAAAAAAAAAAAAAAAAAAAAAAAAAAAAAAAAAAAAAAAAAAAAAAAAAAAAAAAAAFAAAADwAAAAAAAAAAAAAAAAAAAkUAAAAAQAAABQAAAAUAAAAFAAAAAEAAAAAAAAAZAAAAGQAAAAAAAAAZAAAAGQAAAAVAAAAYAAAAAAAAAAAAAAADwAAACADAAAAAAAAAAAAAAEAAACgMgAAVgcAAKr4//8BAAAAf39/AAEAAABkAAAAAAAAABQAAABAHwAAAAAAACYAAAAAAAAAwOD//wAAAAAmAAAAZAAAABYAAABMAAAAAAAAAAAAAAAEAAAAAAAAAAEAAACAgIAKAAAAACgAAAAoAAAAZAAAAGQAAAAAAAAAzMzMAAAAAABQAAAAUAAAAGQAAABkAAAAAAAAABcAAAAUAAAAAAAAAAAAAAD/fwAA/38AAAAAAAAJAAAABAAAAAIAAAAeAAAAaAAAAAAAAAAAAAAAAAAAAAAAAAAAAAAAECcAABAnAAAAAAAAAAAAAAAAAAAAAAAAAAAAAAAAAAAAAAAAAAAAABQAAAAAAAAAwMD/AAAAAABkAAAAMgAAAAAAAABkAAAAAAAAAH9/fwAKAAAAIgAAABgAAAAAAAAAAAAAAAAAAAAAAAAAAAAAAAAAAAAkAAAAJAAAAAAAAAAHAAAAAAAAAAAAAAAAAAAAAAAAAAAAAAAAAAAAf39/ACUAAABYAAAAAAAAAAAAAAAAAAAAAAAAAAAAAAAAAAAAAAAAAAAAAAAAAAAAAAAAAAAAAAA/AAAAAAAAAKCGAQAAAAAAAAAAAAAAAAAMAAAAAQAAAAAAAAAAAAAAAAAAAB8AAABUAAAAAAAABQAAAAEAAAAAAAAAAAAAAAAAAAAAAAAAAAAAAAAAAAAAAAAAAAAAAAJ/f38AAAAAA8zMzADAwP8Af39/AAAAAAAAAAAAAAAAAAAAAAAAAAAAIQAAABgAAAAUAAAAwAMAALABAABARwAAuAgAABAAAAAmAAAACAAAAAAAAAAAAAAAMAAAABQAAAAAAAAAAAD//wAAAQAAAP//AAABAA=="/>
               </a:ext>
             </a:extLst>
           </p:cNvSpPr>
@@ -4405,7 +4422,7 @@
             <a:spLocks noGrp="1" noChangeArrowheads="1"/>
             <a:extLst>
               <a:ext uri="smNativeData">
-                <pr:smNativeData xmlns:pr="smNativeData" xmlns="smNativeData" val="SMDATA_16_PryGZxMAAAAlAAAAZAAAAA8BAAAAkAAAAEgAAACQAAAASAAAAAAAAAAAAAAAAAAAAAEAAABQAAAAAAAAAAAA4D8AAAAAAADgPwAAAAAAAOA/AAAAAAAA4D8AAAAAAADgPwAAAAAAAOA/AAAAAAAA4D8AAAAAAADgPwAAAAAAAOA/AAAAAAAA4D8CAAAAjAAAAAAAAAAAAAAAu+DjDP///wgAAAAAAAAAAAAAAAAAAAAAAAAAAAAAAAAAAAAAZAAAAAEAAABAAAAAAAAAAAAAAAAAAAAAAAAAAAAAAAAAAAAAAAAAAAAAAAAAAAAAAAAAAAAAAAAAAAAAAAAAAAAAAAAAAAAAAAAAAAAAAAAAAAAAAAAAAAAAAAAAAAAAFAAAADwAAAAAAAAAAAAAAAAAAAkUAAAAAQAAABQAAAAUAAAAFAAAAAEAAAAAAAAAZAAAAGQAAAAAAAAAZAAAAGQAAAAVAAAAYAAAAAAAAAAAAAAADwAAACADAAAAAAAAAAAAAAEAAACgMgAAVgcAAKr4//8BAAAAf39/AAEAAABkAAAAAAAAABQAAABAHwAAAAAAACYAAAAAAAAAwOD//wAAAAAmAAAAZAAAABYAAABMAAAAAAAAAAAAAAAEAAAAAAAAAAEAAACAgIAKAAAAACgAAAAoAAAAZAAAAGQAAAAAAAAAzMzMAAAAAABQAAAAUAAAAGQAAABkAAAAAAAAABcAAAAUAAAAAAAAAAAAAAD/fwAA/38AAAAAAAAJAAAABAAAAGFzZWweAAAAaAAAAAAAAAAAAAAAAAAAAAAAAAAAAAAAECcAABAnAAAAAAAAAAAAAAAAAAAAAAAAAAAAAAAAAAAAAAAAAAAAABQAAAAAAAAAwMD/AAAAAABkAAAAMgAAAAAAAABkAAAAAAAAAH9/fwAKAAAAIgAAABgAAAAAAAAAAAAAAAAAAAAAAAAAAAAAAAAAAAAkAAAAJAAAAAAAAAAHAAAAAAAAAAAAAAAAAAAAAAAAAAAAAAAAAAAAf39/ACUAAABYAAAAAAAAAAAAAAAAAAAAAAAAAAAAAAAAAAAAAAAAAAAAAAAAAAAAAAAAAAAAAAA/AAAAAAAAAKCGAQAAAAAAAAAAAAAAAAAMAAAAAQAAAAAAAAAAAAAAAAAAAB8AAABUAAAAAAAABQAAAAEAAAAAAAAAAAAAAAAAAAAAAAAAAAAAAAAAAAAAAAAAAAAAAAJ/f38AAAAAA8zMzADAwP8Af39/AAAAAAAAAAAAAAAAAAAAAAAAAAAAIQAAABgAAAAUAAAAwAMAANgJAABARwAAsCUAABAAAAAmAAAACAAAAAAAAAAAAAAAMAAAABQAAAAAAAAAAAD//wAAAQAAAP//AAABAA=="/>
+                <pr:smNativeData xmlns:pr="smNativeData" xmlns="smNativeData" val="SMDATA_16_a8OGZxMAAAAlAAAAZAAAAA8BAAAAkAAAAEgAAACQAAAASAAAAAAAAAAAAAAAAAAAAAEAAABQAAAAAAAAAAAA4D8AAAAAAADgPwAAAAAAAOA/AAAAAAAA4D8AAAAAAADgPwAAAAAAAOA/AAAAAAAA4D8AAAAAAADgPwAAAAAAAOA/AAAAAAAA4D8CAAAAjAAAAAAAAAAAAAAAu+DjDP///wgAAAAAAAAAAAAAAAAAAAAAAAAAAAAAAAAAAAAAZAAAAAEAAABAAAAAAAAAAAAAAAAAAAAAAAAAAAAAAAAAAAAAAAAAAAAAAAAAAAAAAAAAAAAAAAAAAAAAAAAAAAAAAAAAAAAAAAAAAAAAAAAAAAAAAAAAAAAAAAAAAAAAFAAAADwAAAAAAAAAAAAAAAAAAAkUAAAAAQAAABQAAAAUAAAAFAAAAAEAAAAAAAAAZAAAAGQAAAAAAAAAZAAAAGQAAAAVAAAAYAAAAAAAAAAAAAAADwAAACADAAAAAAAAAAAAAAEAAACgMgAAVgcAAKr4//8BAAAAf39/AAEAAABkAAAAAAAAABQAAABAHwAAAAAAACYAAAAAAAAAwOD//wAAAAAmAAAAZAAAABYAAABMAAAAAAAAAAAAAAAEAAAAAAAAAAEAAACAgIAKAAAAACgAAAAoAAAAZAAAAGQAAAAAAAAAzMzMAAAAAABQAAAAUAAAAGQAAABkAAAAAAAAABcAAAAUAAAAAAAAAAAAAAD/fwAA/38AAAAAAAAJAAAABAAAAGFzZWweAAAAaAAAAAAAAAAAAAAAAAAAAAAAAAAAAAAAECcAABAnAAAAAAAAAAAAAAAAAAAAAAAAAAAAAAAAAAAAAAAAAAAAABQAAAAAAAAAwMD/AAAAAABkAAAAMgAAAAAAAABkAAAAAAAAAH9/fwAKAAAAIgAAABgAAAAAAAAAAAAAAAAAAAAAAAAAAAAAAAAAAAAkAAAAJAAAAAAAAAAHAAAAAAAAAAAAAAAAAAAAAAAAAAAAAAAAAAAAf39/ACUAAABYAAAAAAAAAAAAAAAAAAAAAAAAAAAAAAAAAAAAAAAAAAAAAAAAAAAAAAAAAAAAAAA/AAAAAAAAAKCGAQAAAAAAAAAAAAAAAAAMAAAAAQAAAAAAAAAAAAAAAAAAAB8AAABUAAAAAAAABQAAAAEAAAAAAAAAAAAAAAAAAAAAAAAAAAAAAAAAAAAAAAAAAAAAAAJ/f38AAAAAA8zMzADAwP8Af39/AAAAAAAAAAAAAAAAAAAAAAAAAAAAIQAAABgAAAAUAAAAwAMAANgJAABARwAAsCUAABAAAAAmAAAACAAAAAAAAAAAAAAAMAAAABQAAAAAAAAAAAD//wAAAQAAAP//AAABAA=="/>
               </a:ext>
             </a:extLst>
           </p:cNvSpPr>
@@ -4479,7 +4496,7 @@
             <a:spLocks noGrp="1" noChangeArrowheads="1"/>
             <a:extLst>
               <a:ext uri="smNativeData">
-                <pr:smNativeData xmlns:pr="smNativeData" xmlns="smNativeData" val="SMDATA_16_PryGZxMAAAAlAAAAZAAAAA8BAAAAkAAAAEgAAACQAAAASAAAAAAAAAABAAAAAAAAAAEAAABQAAAAAAAAAAAA4D8AAAAAAADgPwAAAAAAAOA/AAAAAAAA4D8AAAAAAADgPwAAAAAAAOA/AAAAAAAA4D8AAAAAAADgPwAAAAAAAOA/AAAAAAAA4D8CAAAAjAAAAAAAAAAAAAAAu+DjDP///wgAAAAAAAAAAAAAAAAAAAAAAAAAAAAAAAAAAAAAZAAAAAEAAABAAAAAAAAAAAAAAAAAAAAAAAAAAAAAAAAAAAAAAAAAAAAAAAAAAAAAAAAAAAAAAAAAAAAAAAAAAAAAAAAAAAAAAAAAAAAAAAAAAAAAAAAAAAAAAAAAAAAAFAAAADwAAAAAAAAAAAAAAAAAAAkUAAAAAQAAABQAAAAUAAAAFAAAAAEAAAAAAAAAZAAAAGQAAAAAAAAAZAAAAGQAAAAVAAAAYAAAAAAAAAAAAAAADwAAACADAAAAAAAAAAAAAAEAAACgMgAAVgcAAKr4//8BAAAAf39/AAEAAABkAAAAAAAAABQAAABAHwAAAAAAACYAAAAAAAAAwOD//wAAAAAmAAAAZAAAABYAAABMAAAAAAAAAAAAAAAEAAAAAAAAAAEAAACAgIAKAAAAACgAAAAoAAAAZAAAAGQAAAAAAAAAzMzMAAAAAABQAAAAUAAAAGQAAABkAAAAAAAAABcAAAAUAAAAAAAAAAAAAAD/fwAA/38AAAAAAAAJAAAABAAAAAAAAAAeAAAAaAAAAAAAAAAAAAAAAAAAAAAAAAAAAAAAECcAABAnAAAAAAAAAAAAAAAAAAAAAAAAAAAAAAAAAAAAAAAAAAAAABQAAAAAAAAAwMD/AAAAAABkAAAAMgAAAAAAAABkAAAAAAAAAH9/fwAKAAAAIgAAABgAAAAAAAAAAAAAAAAAAAAAAAAAAAAAAAAAAAAkAAAAJAAAAAAAAAAHAAAAAAAAAAAAAAAAAAAAAAAAAAAAAAAAAAAAf39/ACUAAABYAAAAAAAAAAAAAAAAAAAAAAAAAAAAAAAAAAAAAAAAAAAAAAAAAAAAAAAAAAAAAAA/AAAAAAAAAKCGAQAAAAAAAAAAAAAAAAAMAAAAAQAAAAAAAAAAAAAAAAAAAB8AAABUAAAAAAAABQAAAAEAAAAAAAAAAAAAAAAAAAAAAAAAAAAAAAAAAAAAAAAAAAAAAAJ/f38AAAAAA8zMzADAwP8Af39/AAAAAAAAAAAAAAAAAAAAAAAAAAAAIQAAABgAAAAUAAAAwAMAALABAABARwAAuAgAAAAAAAAmAAAACAAAAAEAAAAAAAAAMAAAABQAAAAAAAAAAAD//wAAAQAAAP//AAABAA=="/>
+                <pr:smNativeData xmlns:pr="smNativeData" xmlns="smNativeData" val="SMDATA_16_a8OGZxMAAAAlAAAAZAAAAA8BAAAAkAAAAEgAAACQAAAASAAAAAAAAAABAAAAAAAAAAEAAABQAAAAAAAAAAAA4D8AAAAAAADgPwAAAAAAAOA/AAAAAAAA4D8AAAAAAADgPwAAAAAAAOA/AAAAAAAA4D8AAAAAAADgPwAAAAAAAOA/AAAAAAAA4D8CAAAAjAAAAAAAAAAAAAAAu+DjDP///wgAAAAAAAAAAAAAAAAAAAAAAAAAAAAAAAAAAAAAZAAAAAEAAABAAAAAAAAAAAAAAAAAAAAAAAAAAAAAAAAAAAAAAAAAAAAAAAAAAAAAAAAAAAAAAAAAAAAAAAAAAAAAAAAAAAAAAAAAAAAAAAAAAAAAAAAAAAAAAAAAAAAAFAAAADwAAAAAAAAAAAAAAAAAAAkUAAAAAQAAABQAAAAUAAAAFAAAAAEAAAAAAAAAZAAAAGQAAAAAAAAAZAAAAGQAAAAVAAAAYAAAAAAAAAAAAAAADwAAACADAAAAAAAAAAAAAAEAAACgMgAAVgcAAKr4//8BAAAAf39/AAEAAABkAAAAAAAAABQAAABAHwAAAAAAACYAAAAAAAAAwOD//wAAAAAmAAAAZAAAABYAAABMAAAAAAAAAAAAAAAEAAAAAAAAAAEAAACAgIAKAAAAACgAAAAoAAAAZAAAAGQAAAAAAAAAzMzMAAAAAABQAAAAUAAAAGQAAABkAAAAAAAAABcAAAAUAAAAAAAAAAAAAAD/fwAA/38AAAAAAAAJAAAABAAAAAAAAAAeAAAAaAAAAAAAAAAAAAAAAAAAAAAAAAAAAAAAECcAABAnAAAAAAAAAAAAAAAAAAAAAAAAAAAAAAAAAAAAAAAAAAAAABQAAAAAAAAAwMD/AAAAAABkAAAAMgAAAAAAAABkAAAAAAAAAH9/fwAKAAAAIgAAABgAAAAAAAAAAAAAAAAAAAAAAAAAAAAAAAAAAAAkAAAAJAAAAAAAAAAHAAAAAAAAAAAAAAAAAAAAAAAAAAAAAAAAAAAAf39/ACUAAABYAAAAAAAAAAAAAAAAAAAAAAAAAAAAAAAAAAAAAAAAAAAAAAAAAAAAAAAAAAAAAAA/AAAAAAAAAKCGAQAAAAAAAAAAAAAAAAAMAAAAAQAAAAAAAAAAAAAAAAAAAB8AAABUAAAAAAAABQAAAAEAAAAAAAAAAAAAAAAAAAAAAAAAAAAAAAAAAAAAAAAAAAAAAAJ/f38AAAAAA8zMzADAwP8Af39/AAAAAAAAAAAAAAAAAAAAAAAAAAAAIQAAABgAAAAUAAAAwAMAALABAABARwAAuAgAABAAAAAmAAAACAAAAAAAAAAAAAAAMAAAABQAAAAAAAAAAAD//wAAAQAAAP//AAABAA=="/>
               </a:ext>
             </a:extLst>
           </p:cNvSpPr>
@@ -4487,12 +4504,7 @@
             <p:ph type="title"/>
           </p:nvPr>
         </p:nvSpPr>
-        <p:spPr>
-          <a:xfrm>
-            <a:off x="609600" y="274320"/>
-            <a:ext cx="10972800" cy="1143000"/>
-          </a:xfrm>
-        </p:spPr>
+        <p:spPr/>
         <p:txBody>
           <a:bodyPr/>
           <a:lstStyle/>
@@ -4513,7 +4525,7 @@
             <a:spLocks noGrp="1" noChangeArrowheads="1"/>
             <a:extLst>
               <a:ext uri="smNativeData">
-                <pr:smNativeData xmlns:pr="smNativeData" xmlns="smNativeData" val="SMDATA_16_PryGZxMAAAAlAAAAZAAAAA8BAAAAkAAAAEgAAACQAAAASAAAAAAAAAAAAAAAAAAAAAEAAABQAAAAAAAAAAAA4D8AAAAAAADgPwAAAAAAAOA/AAAAAAAA4D8AAAAAAADgPwAAAAAAAOA/AAAAAAAA4D8AAAAAAADgPwAAAAAAAOA/AAAAAAAA4D8CAAAAjAAAAAAAAAAAAAAAu+DjDP///wgAAAAAAAAAAAAAAAAAAAAAAAAAAAAAAAAAAAAAZAAAAAEAAABAAAAAAAAAAAAAAAAAAAAAAAAAAAAAAAAAAAAAAAAAAAAAAAAAAAAAAAAAAAAAAAAAAAAAAAAAAAAAAAAAAAAAAAAAAAAAAAAAAAAAAAAAAAAAAAAAAAAAFAAAADwAAAAAAAAAAAAAAAAAAAkUAAAAAQAAABQAAAAUAAAAFAAAAAEAAAAAAAAAZAAAAGQAAAAAAAAAZAAAAGQAAAAVAAAAYAAAAAAAAAAAAAAADwAAACADAAAAAAAAAAAAAAEAAACgMgAAVgcAAKr4//8BAAAAf39/AAEAAABkAAAAAAAAABQAAABAHwAAAAAAACYAAAAAAAAAwOD//wAAAAAmAAAAZAAAABYAAABMAAAAAAAAAAAAAAAEAAAAAAAAAAEAAACAgIAKAAAAACgAAAAoAAAAZAAAAGQAAAAAAAAAzMzMAAAAAABQAAAAUAAAAGQAAABkAAAAAAAAABcAAAAUAAAAAAAAAAAAAAD/fwAA/38AAAAAAAAJAAAABAAAAAAAAAAeAAAAaAAAAAAAAAAAAAAAAAAAAAAAAAAAAAAAECcAABAnAAAAAAAAAAAAAAAAAAAAAAAAAAAAAAAAAAAAAAAAAAAAABQAAAAAAAAAwMD/AAAAAABkAAAAMgAAAAAAAABkAAAAAAAAAH9/fwAKAAAAIgAAABgAAAAAAAAAAAAAAAAAAAAAAAAAAAAAAAAAAAAkAAAAJAAAAAAAAAAHAAAAAAAAAAAAAAAAAAAAAAAAAAAAAAAAAAAAf39/ACUAAABYAAAAAAAAAAAAAAAAAAAAAAAAAAAAAAAAAAAAAAAAAAAAAAAAAAAAAAAAAAAAAAA/AAAAAAAAAKCGAQAAAAAAAAAAAAAAAAAMAAAAAQAAAAAAAAAAAAAAAAAAAB8AAABUAAAAAAAABQAAAAEAAAAAAAAAAAAAAAAAAAAAAAAAAAAAAAAAAAAAAAAAAAAAAAJ/f38AAAAAA8zMzADAwP8Af39/AAAAAAAAAAAAAAAAAAAAAAAAAAAAIQAAABgAAAAUAAAAwAMAANgJAABARwAAsCUAAAAAAAAmAAAACAAAAAEAAAAAAAAAMAAAABQAAAAAAAAAAAD//wAAAQAAAP//AAABAA=="/>
+                <pr:smNativeData xmlns:pr="smNativeData" xmlns="smNativeData" val="SMDATA_16_a8OGZxMAAAAlAAAAZAAAAA8BAAAAkAAAAEgAAACQAAAASAAAAAAAAAAAAAAAAAAAAAEAAABQAAAAAAAAAAAA4D8AAAAAAADgPwAAAAAAAOA/AAAAAAAA4D8AAAAAAADgPwAAAAAAAOA/AAAAAAAA4D8AAAAAAADgPwAAAAAAAOA/AAAAAAAA4D8CAAAAjAAAAAAAAAAAAAAAu+DjDP///wgAAAAAAAAAAAAAAAAAAAAAAAAAAAAAAAAAAAAAZAAAAAEAAABAAAAAAAAAAAAAAAAAAAAAAAAAAAAAAAAAAAAAAAAAAAAAAAAAAAAAAAAAAAAAAAAAAAAAAAAAAAAAAAAAAAAAAAAAAAAAAAAAAAAAAAAAAAAAAAAAAAAAFAAAADwAAAAAAAAAAAAAAAAAAAkUAAAAAQAAABQAAAAUAAAAFAAAAAEAAAAAAAAAZAAAAGQAAAAAAAAAZAAAAGQAAAAVAAAAYAAAAAAAAAAAAAAADwAAACADAAAAAAAAAAAAAAEAAACgMgAAVgcAAKr4//8BAAAAf39/AAEAAABkAAAAAAAAABQAAABAHwAAAAAAACYAAAAAAAAAwOD//wAAAAAmAAAAZAAAABYAAABMAAAAAAAAAAAAAAAEAAAAAAAAAAEAAACAgIAKAAAAACgAAAAoAAAAZAAAAGQAAAAAAAAAzMzMAAAAAABQAAAAUAAAAGQAAABkAAAAAAAAABcAAAAUAAAAAAAAAAAAAAD/fwAA/38AAAAAAAAJAAAABAAAAAAAAAAeAAAAaAAAAAAAAAAAAAAAAAAAAAAAAAAAAAAAECcAABAnAAAAAAAAAAAAAAAAAAAAAAAAAAAAAAAAAAAAAAAAAAAAABQAAAAAAAAAwMD/AAAAAABkAAAAMgAAAAAAAABkAAAAAAAAAH9/fwAKAAAAIgAAABgAAAAAAAAAAAAAAAAAAAAAAAAAAAAAAAAAAAAkAAAAJAAAAAAAAAAHAAAAAAAAAAAAAAAAAAAAAAAAAAAAAAAAAAAAf39/ACUAAABYAAAAAAAAAAAAAAAAAAAAAAAAAAAAAAAAAAAAAAAAAAAAAAAAAAAAAAAAAAAAAAA/AAAAAAAAAKCGAQAAAAAAAAAAAAAAAAAMAAAAAQAAAAAAAAAAAAAAAAAAAB8AAABUAAAAAAAABQAAAAEAAAAAAAAAAAAAAAAAAAAAAAAAAAAAAAAAAAAAAAAAAAAAAAJ/f38AAAAAA8zMzADAwP8Af39/AAAAAAAAAAAAAAAAAAAAAAAAAAAAIQAAABgAAAAUAAAAwAMAANgJAABARwAAsCUAABAAAAAmAAAACAAAAAAAAAAAAAAAMAAAABQAAAAAAAAAAAD//wAAAQAAAP//AAABAA=="/>
               </a:ext>
             </a:extLst>
           </p:cNvSpPr>
@@ -4521,12 +4533,7 @@
             <p:ph type="body" idx="1"/>
           </p:nvPr>
         </p:nvSpPr>
-        <p:spPr>
-          <a:xfrm>
-            <a:off x="609600" y="1600200"/>
-            <a:ext cx="10972800" cy="4526280"/>
-          </a:xfrm>
-        </p:spPr>
+        <p:spPr/>
         <p:txBody>
           <a:bodyPr/>
           <a:lstStyle/>
@@ -5414,6 +5421,47 @@
       </a:clrScheme>
       <a:clrMap bg1="lt1" tx1="dk1" bg2="lt2" tx2="dk2" accent1="accent1" accent2="accent2" accent3="accent3" accent4="accent4" accent5="accent5" accent6="accent6" hlink="hlink" folHlink="folHlink"/>
     </a:extraClrScheme>
+    <a:extraClrScheme>
+      <a:clrScheme name="Presentation 15">
+        <a:dk1>
+          <a:srgbClr val="000000"/>
+        </a:dk1>
+        <a:lt1>
+          <a:srgbClr val="FFFFFF"/>
+        </a:lt1>
+        <a:dk2>
+          <a:srgbClr val="000000"/>
+        </a:dk2>
+        <a:lt2>
+          <a:srgbClr val="808080"/>
+        </a:lt2>
+        <a:accent1>
+          <a:srgbClr val="BBE0E3"/>
+        </a:accent1>
+        <a:accent2>
+          <a:srgbClr val="333399"/>
+        </a:accent2>
+        <a:accent3>
+          <a:srgbClr val="535379"/>
+        </a:accent3>
+        <a:accent4>
+          <a:srgbClr val="737359"/>
+        </a:accent4>
+        <a:accent5>
+          <a:srgbClr val="939339"/>
+        </a:accent5>
+        <a:accent6>
+          <a:srgbClr val="B3B319"/>
+        </a:accent6>
+        <a:hlink>
+          <a:srgbClr val="009999"/>
+        </a:hlink>
+        <a:folHlink>
+          <a:srgbClr val="99CC00"/>
+        </a:folHlink>
+      </a:clrScheme>
+      <a:clrMap bg1="lt1" tx1="dk1" bg2="lt2" tx2="dk2" accent1="accent1" accent2="accent2" accent3="accent3" accent4="accent4" accent5="accent5" accent6="accent6" hlink="hlink" folHlink="folHlink"/>
+    </a:extraClrScheme>
   </a:extraClrSchemeLst>
 </a:theme>
 </file>
--- a/Diploma/User cases при использовании моделей.pptx
+++ b/Diploma/User cases при использовании моделей.pptx
@@ -243,7 +243,7 @@
             <a:spLocks noGrp="1" noChangeArrowheads="1"/>
             <a:extLst>
               <a:ext uri="smNativeData">
-                <pr:smNativeData xmlns:pr="smNativeData" xmlns="smNativeData" val="SMDATA_16_a8OGZxMAAAAlAAAAZAAAAA8BAAAAkAAAAEgAAACQAAAASAAAAAAAAAABAAAAAAAAAAEAAABQAAAAAAAAAAAA4D8AAAAAAADgPwAAAAAAAOA/AAAAAAAA4D8AAAAAAADgPwAAAAAAAOA/AAAAAAAA4D8AAAAAAADgPwAAAAAAAOA/AAAAAAAA4D8CAAAAjAAAAAAAAAAAAAAAu+DjDP///wgAAAAAAAAAAAAAAAAAAAAAAAAAAAAAAAAAAAAAZAAAAAEAAABAAAAAAAAAAAAAAAAAAAAAAAAAAAAAAAAAAAAAAAAAAAAAAAAAAAAAAAAAAAAAAAAAAAAAAAAAAAAAAAAAAAAAAAAAAAAAAAAAAAAAAAAAAAAAAAAAAAAAFAAAADwAAAAAAAAAAAAAAAAAAAkUAAAAAQAAABQAAAAUAAAAFAAAAAEAAAAAAAAAZAAAAGQAAAAAAAAAZAAAAGQAAAAVAAAAYAAAAAAAAAAAAAAADwAAACADAAAAAAAAAAAAAAEAAACgMgAAVgcAAKr4//8BAAAAf39/AAEAAABkAAAAAAAAABQAAABAHwAAAAAAACYAAAAAAAAAwOD//wAAAAAmAAAAZAAAABYAAABMAAAAAAAAAAAAAAAEAAAAAAAAAAEAAACAgIAKAAAAACgAAAAoAAAAZAAAAGQAAAAAAAAAzMzMAAAAAABQAAAAUAAAAGQAAABkAAAAAAAAABcAAAAUAAAAAAAAAAAAAAD/fwAA/38AAAAAAAAJAAAABAAAAAAAAAAeAAAAaAAAAAAAAAAAAAAAAAAAAAAAAAAAAAAAECcAABAnAAAAAAAAAAAAAAAAAAAAAAAAAAAAAAAAAAAAAAAAAAAAABQAAAAAAAAAwMD/AAAAAABkAAAAMgAAAAAAAABkAAAAAAAAAH9/fwAKAAAAIgAAABgAAAAAAAAAAAAAAAAAAAAAAAAAAAAAAAAAAAAkAAAAJAAAAAAAAAAHAAAAAAAAAAAAAAAAAAAAAAAAAAAAAAAAAAAAf39/ACUAAABYAAAAAAAAAAAAAAAAAAAAAAAAAAAAAAAAAAAAAAAAAAAAAAAAAAAAAAAAAAAAAAA/AAAAAAAAAKCGAQAAAAAAAAAAAAAAAAAMAAAAAQAAAAAAAAAAAAAAAAAAAB8AAABUAAAAAAAABQAAAAEAAAAAAAAAAAAAAAAAAAAAAAAAAAAAAAAAAAAAAAAAAAAAAAJ/f38AAAAAA8zMzADAwP8Af39/AAAAAAAAAAAAAAAAAAAAAAAAAAAAIQAAABgAAAAUAAAAoAUAABoNAABgRQAAJhYAABAAAAAmAAAACAAAAAEAAAAAAAAAMAAAABQAAAAAAAAAAAD//wAAAQAAAP//AAABAA=="/>
+                <pr:smNativeData xmlns:pr="smNativeData" xmlns="smNativeData" val="SMDATA_16_jeCHZxMAAAAlAAAAZAAAAA8BAAAAkAAAAEgAAACQAAAASAAAAAAAAAABAAAAAAAAAAEAAABQAAAAAAAAAAAA4D8AAAAAAADgPwAAAAAAAOA/AAAAAAAA4D8AAAAAAADgPwAAAAAAAOA/AAAAAAAA4D8AAAAAAADgPwAAAAAAAOA/AAAAAAAA4D8CAAAAjAAAAAAAAAAAAAAAu+DjDP///wgAAAAAAAAAAAAAAAAAAAAAAAAAAAAAAAAAAAAAZAAAAAEAAABAAAAAAAAAAAAAAAAAAAAAAAAAAAAAAAAAAAAAAAAAAAAAAAAAAAAAAAAAAAAAAAAAAAAAAAAAAAAAAAAAAAAAAAAAAAAAAAAAAAAAAAAAAAAAAAAAAAAAFAAAADwAAAAAAAAAAAAAAAAAAAkUAAAAAQAAABQAAAAUAAAAFAAAAAEAAAAAAAAAZAAAAGQAAAAAAAAAZAAAAGQAAAAVAAAAYAAAAAAAAAAAAAAADwAAACADAAAAAAAAAAAAAAEAAACgMgAAVgcAAKr4//8BAAAAf39/AAEAAABkAAAAAAAAABQAAABAHwAAAAAAACYAAAAAAAAAwOD//wAAAAAmAAAAZAAAABYAAABMAAAAAAAAAAAAAAAEAAAAAAAAAAEAAACAgIAKAAAAACgAAAAoAAAAZAAAAGQAAAAAAAAAzMzMAAAAAABQAAAAUAAAAGQAAABkAAAAAAAAABcAAAAUAAAAAAAAAAAAAAD/fwAA/38AAAAAAAAJAAAABAAAAAAAAAAeAAAAaAAAAAAAAAAAAAAAAAAAAAAAAAAAAAAAECcAABAnAAAAAAAAAAAAAAAAAAAAAAAAAAAAAAAAAAAAAAAAAAAAABQAAAAAAAAAwMD/AAAAAABkAAAAMgAAAAAAAABkAAAAAAAAAH9/fwAKAAAAIgAAABgAAAAAAAAAAAAAAAAAAAAAAAAAAAAAAAAAAAAkAAAAJAAAAAAAAAAHAAAAAAAAAAAAAAAAAAAAAAAAAAAAAAAAAAAAf39/ACUAAABYAAAAAAAAAAAAAAAAAAAAAAAAAAAAAAAAAAAAAAAAAAAAAAAAAAAAAAAAAAAAAAA/AAAAAAAAAKCGAQAAAAAAAAAAAAAAAAAMAAAAAQAAAAAAAAAAAAAAAAAAAB8AAABUAAAAAAAABQAAAAEAAAAAAAAAAAAAAAAAAAAAAAAAAAAAAAAAAAAAAAAAAAAAAAJ/f38AAAAAA8zMzADAwP8Af39/AAAAAAAAAAAAAAAAAAAAAAAAAAAAIQAAABgAAAAUAAAAoAUAABoNAABgRQAAJhYAABAAAAAmAAAACAAAAAEAAAAAAAAAMAAAABQAAAAAAAAAAAD//wAAAQAAAP//AAABAA=="/>
               </a:ext>
             </a:extLst>
           </p:cNvSpPr>
@@ -275,7 +275,7 @@
             <a:spLocks noGrp="1" noChangeArrowheads="1"/>
             <a:extLst>
               <a:ext uri="smNativeData">
-                <pr:smNativeData xmlns:pr="smNativeData" xmlns="smNativeData" val="SMDATA_16_a8OGZxMAAAAlAAAAZAAAAA8BAAAAkAAAAEgAAACQAAAASAAAAAAAAAAAAAAAAAAAAAEAAABQAAAAAAAAAAAA4D8AAAAAAADgPwAAAAAAAOA/AAAAAAAA4D8AAAAAAADgPwAAAAAAAOA/AAAAAAAA4D8AAAAAAADgPwAAAAAAAOA/AAAAAAAA4D8CAAAAjAAAAAAAAAAAAAAAu+DjDP///wgAAAAAAAAAAAAAAAAAAAAAAAAAAAAAAAAAAAAAZAAAAAEAAABAAAAAAAAAAAAAAAAAAAAAAAAAAAAAAAAAAAAAAAAAAAAAAAAAAAAAAAAAAAAAAAAAAAAAAAAAAAAAAAAAAAAAAAAAAAAAAAAAAAAAAAAAAAAAAAAAAAAAFAAAADwAAAAAAAAAAAAAAAAAAAkUAAAAAQAAABQAAAAUAAAAFAAAAAEAAAAAAAAAZAAAAGQAAAAAAAAAZAAAAGQAAAAVAAAAYAAAAAAAAAAAAAAADwAAACADAAAAAAAAAAAAAAEAAACgMgAAVgcAAKr4//8BAAAAf39/AAEAAABkAAAAAAAAABQAAABAHwAAAAAAACYAAAAAAAAAwOD//wAAAAAmAAAAZAAAABYAAABMAAAAAAAAAAAAAAAEAAAAAAAAAAEAAACAgIAKAAAAACgAAAAoAAAAZAAAAGQAAAAAAAAAzMzMAAAAAABQAAAAUAAAAGQAAABkAAAAAAAAABcAAAAUAAAAAAAAAAAAAAD/fwAA/38AAAAAAAAJAAAABAAAAAAAAAAeAAAAaAAAAAAAAAAAAAAAAAAAAAAAAAAAAAAAECcAABAnAAAAAAAAAAAAAAAAAAAAAAAAAAAAAAAAAAAAAAAAAAAAABQAAAAAAAAAwMD/AAAAAABkAAAAMgAAAAAAAABkAAAAAAAAAH9/fwAKAAAAIgAAABgAAAAAAAAAAAAAAAAAAAAAAAAAAAAAAAAAAAAkAAAAJAAAAAAAAAAHAAAAAAAAAAAAAAAAAAAAAAAAAAAAAAAAAAAAf39/ACUAAABYAAAAAAAAAAAAAAAAAAAAAAAAAAAAAAAAAAAAAAAAAAAAAAAAAAAAAAAAAAAAAAA/AAAAAAAAAKCGAQAAAAAAAAAAAAAAAAAMAAAAAQAAAAAAAAAAAAAAAAAAAB8AAABUAAAAAAAABQAAAAEAAAAAAAAAAAAAAAAAAAAAAAAAAAAAAAAAAAAAAAAAAAAAAAJ/f38AAAAAA8zMzADAwP8Af39/AAAAAAAAAAAAAAAAAAAAAAAAAAAAIQAAABgAAAAUAAAAQAsAAOgXAADAPwAAsCIAABAAAAAmAAAACAAAAAGAAAAAAAAAMAAAABQAAAAAAAAAAAD//wAAAQAAAP//AAABAA=="/>
+                <pr:smNativeData xmlns:pr="smNativeData" xmlns="smNativeData" val="SMDATA_16_jeCHZxMAAAAlAAAAZAAAAA8BAAAAkAAAAEgAAACQAAAASAAAAAAAAAAAAAAAAAAAAAEAAABQAAAAAAAAAAAA4D8AAAAAAADgPwAAAAAAAOA/AAAAAAAA4D8AAAAAAADgPwAAAAAAAOA/AAAAAAAA4D8AAAAAAADgPwAAAAAAAOA/AAAAAAAA4D8CAAAAjAAAAAAAAAAAAAAAu+DjDP///wgAAAAAAAAAAAAAAAAAAAAAAAAAAAAAAAAAAAAAZAAAAAEAAABAAAAAAAAAAAAAAAAAAAAAAAAAAAAAAAAAAAAAAAAAAAAAAAAAAAAAAAAAAAAAAAAAAAAAAAAAAAAAAAAAAAAAAAAAAAAAAAAAAAAAAAAAAAAAAAAAAAAAFAAAADwAAAAAAAAAAAAAAAAAAAkUAAAAAQAAABQAAAAUAAAAFAAAAAEAAAAAAAAAZAAAAGQAAAAAAAAAZAAAAGQAAAAVAAAAYAAAAAAAAAAAAAAADwAAACADAAAAAAAAAAAAAAEAAACgMgAAVgcAAKr4//8BAAAAf39/AAEAAABkAAAAAAAAABQAAABAHwAAAAAAACYAAAAAAAAAwOD//wAAAAAmAAAAZAAAABYAAABMAAAAAAAAAAAAAAAEAAAAAAAAAAEAAACAgIAKAAAAACgAAAAoAAAAZAAAAGQAAAAAAAAAzMzMAAAAAABQAAAAUAAAAGQAAABkAAAAAAAAABcAAAAUAAAAAAAAAAAAAAD/fwAA/38AAAAAAAAJAAAABAAAAAAAAAAeAAAAaAAAAAAAAAAAAAAAAAAAAAAAAAAAAAAAECcAABAnAAAAAAAAAAAAAAAAAAAAAAAAAAAAAAAAAAAAAAAAAAAAABQAAAAAAAAAwMD/AAAAAABkAAAAMgAAAAAAAABkAAAAAAAAAH9/fwAKAAAAIgAAABgAAAAAAAAAAAAAAAAAAAAAAAAAAAAAAAAAAAAkAAAAJAAAAAAAAAAHAAAAAAAAAAAAAAAAAAAAAAAAAAAAAAAAAAAAf39/ACUAAABYAAAAAAAAAAAAAAAAAAAAAAAAAAAAAAAAAAAAAAAAAAAAAAAAAAAAAAAAAAAAAAA/AAAAAAAAAKCGAQAAAAAAAAAAAAAAAAAMAAAAAQAAAAAAAAAAAAAAAAAAAB8AAABUAAAAAAAABQAAAAEAAAAAAAAAAAAAAAAAAAAAAAAAAAAAAAAAAAAAAAAAAAAAAAJ/f38AAAAAA8zMzADAwP8Af39/AAAAAAAAAAAAAAAAAAAAAAAAAAAAIQAAABgAAAAUAAAAQAsAAOgXAADAPwAAsCIAABAAAAAmAAAACAAAAAGAAAAAAAAAMAAAABQAAAAAAAAAAAD//wAAAQAAAP//AAABAA=="/>
               </a:ext>
             </a:extLst>
           </p:cNvSpPr>
@@ -335,7 +335,7 @@
             <a:spLocks noGrp="1" noChangeArrowheads="1"/>
             <a:extLst>
               <a:ext uri="smNativeData">
-                <pr:smNativeData xmlns:pr="smNativeData" xmlns="smNativeData" val="SMDATA_16_a8OGZxMAAAAlAAAAZAAAAA8BAAAAkAAAAEgAAACQAAAASAAAAAAAAAABAAAAAAAAAAEAAABQAAAAAAAAAAAA4D8AAAAAAADgPwAAAAAAAOA/AAAAAAAA4D8AAAAAAADgPwAAAAAAAOA/AAAAAAAA4D8AAAAAAADgPwAAAAAAAOA/AAAAAAAA4D8CAAAAjAAAAAAAAAAAAAAAu+DjDP///wgAAAAAAAAAAAAAAAAAAAAAAAAAAAAAAAAAAAAAZAAAAAEAAABAAAAAAAAAAAAAAAAAAAAAAAAAAAAAAAAAAAAAAAAAAAAAAAAAAAAAAAAAAAAAAAAAAAAAAAAAAAAAAAAAAAAAAAAAAAAAAAAAAAAAAAAAAAAAAAAAAAAAFAAAADwAAAAAAAAAAAAAAAAAAAkUAAAAAQAAABQAAAAUAAAAFAAAAAEAAAAAAAAAZAAAAGQAAAAAAAAAZAAAAGQAAAAVAAAAYAAAAAAAAAAAAAAADwAAACADAAAAAAAAAAAAAAEAAACgMgAAVgcAAKr4//8BAAAAf39/AAEAAABkAAAAAAAAABQAAABAHwAAAAAAACYAAAAAAAAAwOD//wAAAAAmAAAAZAAAABYAAABMAAAAAAAAAAAAAAAEAAAAAAAAAAEAAACAgIAKAAAAACgAAAAoAAAAZAAAAGQAAAAAAAAAzMzMAAAAAABQAAAAUAAAAGQAAABkAAAAAAAAABcAAAAUAAAAAAAAAAAAAAD/fwAA/38AAAAAAAAJAAAABAAAAAAAAAAeAAAAaAAAAAAAAAAAAAAAAAAAAAAAAAAAAAAAECcAABAnAAAAAAAAAAAAAAAAAAAAAAAAAAAAAAAAAAAAAAAAAAAAABQAAAAAAAAAwMD/AAAAAABkAAAAMgAAAAAAAABkAAAAAAAAAH9/fwAKAAAAIgAAABgAAAAAAAAAAAAAAAAAAAAAAAAAAAAAAAAAAAAkAAAAJAAAAAAAAAAHAAAAAAAAAAAAAAAAAAAAAAAAAAAAAAAAAAAAf39/ACUAAABYAAAAAAAAAAAAAAAAAAAAAAAAAAAAAAAAAAAAAAAAAAAAAAAAAAAAAAAAAAAAAAA/AAAAAAAAAKCGAQAAAAAAAAAAAAAAAAAMAAAAAQAAAAAAAAAAAAAAAAAAAB8AAABUAAAAAAAABQAAAAEAAAAAAAAAAAAAAAAAAAAAAAAAAAAAAAAAAAAAAAAAAAAAAAJ/f38AAAAAA8zMzADAwP8Af39/AAAAAAAAAAAAAAAAAAAAAAAAAAAAIQAAABgAAAAUAAAAwAMAABsnAAA/FQAAWSkAABAAAAAmAAAACAAAAAAAAAAAAAAAMAAAABQAAAAAAAAAAAD//wAAAQAAAP//AAABAA=="/>
+                <pr:smNativeData xmlns:pr="smNativeData" xmlns="smNativeData" val="SMDATA_16_jeCHZxMAAAAlAAAAZAAAAA8BAAAAkAAAAEgAAACQAAAASAAAAAAAAAABAAAAAAAAAAEAAABQAAAAAAAAAAAA4D8AAAAAAADgPwAAAAAAAOA/AAAAAAAA4D8AAAAAAADgPwAAAAAAAOA/AAAAAAAA4D8AAAAAAADgPwAAAAAAAOA/AAAAAAAA4D8CAAAAjAAAAAAAAAAAAAAAu+DjDP///wgAAAAAAAAAAAAAAAAAAAAAAAAAAAAAAAAAAAAAZAAAAAEAAABAAAAAAAAAAAAAAAAAAAAAAAAAAAAAAAAAAAAAAAAAAAAAAAAAAAAAAAAAAAAAAAAAAAAAAAAAAAAAAAAAAAAAAAAAAAAAAAAAAAAAAAAAAAAAAAAAAAAAFAAAADwAAAAAAAAAAAAAAAAAAAkUAAAAAQAAABQAAAAUAAAAFAAAAAEAAAAAAAAAZAAAAGQAAAAAAAAAZAAAAGQAAAAVAAAAYAAAAAAAAAAAAAAADwAAACADAAAAAAAAAAAAAAEAAACgMgAAVgcAAKr4//8BAAAAf39/AAEAAABkAAAAAAAAABQAAABAHwAAAAAAACYAAAAAAAAAwOD//wAAAAAmAAAAZAAAABYAAABMAAAAAAAAAAAAAAAEAAAAAAAAAAEAAACAgIAKAAAAACgAAAAoAAAAZAAAAGQAAAAAAAAAzMzMAAAAAABQAAAAUAAAAGQAAABkAAAAAAAAABcAAAAUAAAAAAAAAAAAAAD/fwAA/38AAAAAAAAJAAAABAAAAAAAAAAeAAAAaAAAAAAAAAAAAAAAAAAAAAAAAAAAAAAAECcAABAnAAAAAAAAAAAAAAAAAAAAAAAAAAAAAAAAAAAAAAAAAAAAABQAAAAAAAAAwMD/AAAAAABkAAAAMgAAAAAAAABkAAAAAAAAAH9/fwAKAAAAIgAAABgAAAAAAAAAAAAAAAAAAAAAAAAAAAAAAAAAAAAkAAAAJAAAAAAAAAAHAAAAAAAAAAAAAAAAAAAAAAAAAAAAAAAAAAAAf39/ACUAAABYAAAAAAAAAAAAAAAAAAAAAAAAAAAAAAAAAAAAAAAAAAAAAAAAAAAAAAAAAAAAAAA/AAAAAAAAAKCGAQAAAAAAAAAAAAAAAAAMAAAAAQAAAAAAAAAAAAAAAAAAAB8AAABUAAAAAAAABQAAAAEAAAAAAAAAAAAAAAAAAAAAAAAAAAAAAAAAAAAAAAAAAAAAAAJ/f38AAAAAA8zMzADAwP8Af39/AAAAAAAAAAAAAAAAAAAAAAAAAAAAIQAAABgAAAAUAAAAwAMAABsnAAA/FQAAWSkAABAAAAAmAAAACAAAAAAAAAAAAAAAMAAAABQAAAAAAAAAAAD//wAAAQAAAP//AAABAA=="/>
               </a:ext>
             </a:extLst>
           </p:cNvSpPr>
@@ -349,7 +349,7 @@
           <a:lstStyle/>
           <a:p>
             <a:pPr/>
-            <a:fld id="{3C7290E8-A6D1-2766-9FCA-5033DE846905}" type="datetime1">
+            <a:fld id="{3D25F14C-02D0-7007-9E9D-F452BFD368A1}" type="datetime1">
               <a:t/>
             </a:fld>
           </a:p>
@@ -362,7 +362,7 @@
             <a:spLocks noGrp="1" noChangeArrowheads="1"/>
             <a:extLst>
               <a:ext uri="smNativeData">
-                <pr:smNativeData xmlns:pr="smNativeData" xmlns="smNativeData" val="SMDATA_16_a8OGZxMAAAAlAAAAZAAAAA8BAAAAkAAAAEgAAACQAAAASAAAAAAAAAABAAAAAAAAAAEAAABQAAAAAAAAAAAA4D8AAAAAAADgPwAAAAAAAOA/AAAAAAAA4D8AAAAAAADgPwAAAAAAAOA/AAAAAAAA4D8AAAAAAADgPwAAAAAAAOA/AAAAAAAA4D8CAAAAjAAAAAAAAAAAAAAAu+DjDP///wgAAAAAAAAAAAAAAAAAAAAAAAAAAAAAAAAAAAAAZAAAAAEAAABAAAAAAAAAAAAAAAAAAAAAAAAAAAAAAAAAAAAAAAAAAAAAAAAAAAAAAAAAAAAAAAAAAAAAAAAAAAAAAAAAAAAAAAAAAAAAAAAAAAAAAAAAAAAAAAAAAAAAFAAAADwAAAAAAAAAAAAAAAAAAAkUAAAAAQAAABQAAAAUAAAAFAAAAAEAAAAAAAAAZAAAAGQAAAAAAAAAZAAAAGQAAAAVAAAAYAAAAAAAAAAAAAAADwAAACADAAAAAAAAAAAAAAEAAACgMgAAVgcAAKr4//8BAAAAf39/AAEAAABkAAAAAAAAABQAAABAHwAAAAAAACYAAAAAAAAAwOD//wAAAAAmAAAAZAAAABYAAABMAAAAAAAAAAAAAAAEAAAAAAAAAAEAAACAgIAKAAAAACgAAAAoAAAAZAAAAGQAAAAAAAAAzMzMAAAAAABQAAAAUAAAAGQAAABkAAAAAAAAABcAAAAUAAAAAAAAAAAAAAD/fwAA/38AAAAAAAAJAAAABAAAAAAAAAAeAAAAaAAAAAAAAAAAAAAAAAAAAAAAAAAAAAAAECcAABAnAAAAAAAAAAAAAAAAAAAAAAAAAAAAAAAAAAAAAAAAAAAAABQAAAAAAAAAwMD/AAAAAABkAAAAMgAAAAAAAABkAAAAAAAAAH9/fwAKAAAAIgAAABgAAAAAAAAAAAAAAAAAAAAAAAAAAAAAAAAAAAAkAAAAJAAAAAAAAAAHAAAAAAAAAAAAAAAAAAAAAAAAAAAAAAAAAAAAf39/ACUAAABYAAAAAAAAAAAAAAAAAAAAAAAAAAAAAAAAAAAAAAAAAAAAAAAAAAAAAAAAAAAAAAA/AAAAAAAAAKCGAQAAAAAAAAAAAAAAAAAMAAAAAQAAAAAAAAAAAAAAAAAAAB8AAABUAAAAAAAABQAAAAEAAAAAAAAAAAAAAAAAAAAAAAAAAAAAAAAAAAAAAAAAAAAAAAJ/f38AAAAAA8zMzADAwP8Af39/AAAAAAAAAAAAAAAAAAAAAAAAAAAAIQAAABgAAAAUAAAAoRkAABsnAABfMQAAWSkAABAAAAAmAAAACAAAAAAAAAAAAAAAMAAAABQAAAAAAAAAAAD//wAAAQAAAP//AAABAA=="/>
+                <pr:smNativeData xmlns:pr="smNativeData" xmlns="smNativeData" val="SMDATA_16_jeCHZxMAAAAlAAAAZAAAAA8BAAAAkAAAAEgAAACQAAAASAAAAAAAAAABAAAAAAAAAAEAAABQAAAAAAAAAAAA4D8AAAAAAADgPwAAAAAAAOA/AAAAAAAA4D8AAAAAAADgPwAAAAAAAOA/AAAAAAAA4D8AAAAAAADgPwAAAAAAAOA/AAAAAAAA4D8CAAAAjAAAAAAAAAAAAAAAu+DjDP///wgAAAAAAAAAAAAAAAAAAAAAAAAAAAAAAAAAAAAAZAAAAAEAAABAAAAAAAAAAAAAAAAAAAAAAAAAAAAAAAAAAAAAAAAAAAAAAAAAAAAAAAAAAAAAAAAAAAAAAAAAAAAAAAAAAAAAAAAAAAAAAAAAAAAAAAAAAAAAAAAAAAAAFAAAADwAAAAAAAAAAAAAAAAAAAkUAAAAAQAAABQAAAAUAAAAFAAAAAEAAAAAAAAAZAAAAGQAAAAAAAAAZAAAAGQAAAAVAAAAYAAAAAAAAAAAAAAADwAAACADAAAAAAAAAAAAAAEAAACgMgAAVgcAAKr4//8BAAAAf39/AAEAAABkAAAAAAAAABQAAABAHwAAAAAAACYAAAAAAAAAwOD//wAAAAAmAAAAZAAAABYAAABMAAAAAAAAAAAAAAAEAAAAAAAAAAEAAACAgIAKAAAAACgAAAAoAAAAZAAAAGQAAAAAAAAAzMzMAAAAAABQAAAAUAAAAGQAAABkAAAAAAAAABcAAAAUAAAAAAAAAAAAAAD/fwAA/38AAAAAAAAJAAAABAAAAAAAAAAeAAAAaAAAAAAAAAAAAAAAAAAAAAAAAAAAAAAAECcAABAnAAAAAAAAAAAAAAAAAAAAAAAAAAAAAAAAAAAAAAAAAAAAABQAAAAAAAAAwMD/AAAAAABkAAAAMgAAAAAAAABkAAAAAAAAAH9/fwAKAAAAIgAAABgAAAAAAAAAAAAAAAAAAAAAAAAAAAAAAAAAAAAkAAAAJAAAAAAAAAAHAAAAAAAAAAAAAAAAAAAAAAAAAAAAAAAAAAAAf39/ACUAAABYAAAAAAAAAAAAAAAAAAAAAAAAAAAAAAAAAAAAAAAAAAAAAAAAAAAAAAAAAAAAAAA/AAAAAAAAAKCGAQAAAAAAAAAAAAAAAAAMAAAAAQAAAAAAAAAAAAAAAAAAAB8AAABUAAAAAAAABQAAAAEAAAAAAAAAAAAAAAAAAAAAAAAAAAAAAAAAAAAAAAAAAAAAAAJ/f38AAAAAA8zMzADAwP8Af39/AAAAAAAAAAAAAAAAAAAAAAAAAAAAIQAAABgAAAAUAAAAoRkAABsnAABfMQAAWSkAABAAAAAmAAAACAAAAAAAAAAAAAAAMAAAABQAAAAAAAAAAAD//wAAAQAAAP//AAABAA=="/>
               </a:ext>
             </a:extLst>
           </p:cNvSpPr>
@@ -386,7 +386,7 @@
             <a:spLocks noGrp="1" noChangeArrowheads="1"/>
             <a:extLst>
               <a:ext uri="smNativeData">
-                <pr:smNativeData xmlns:pr="smNativeData" xmlns="smNativeData" val="SMDATA_16_a8OGZxMAAAAlAAAAZAAAAA8BAAAAkAAAAEgAAACQAAAASAAAAAAAAAABAAAAAAAAAAEAAABQAAAAAAAAAAAA4D8AAAAAAADgPwAAAAAAAOA/AAAAAAAA4D8AAAAAAADgPwAAAAAAAOA/AAAAAAAA4D8AAAAAAADgPwAAAAAAAOA/AAAAAAAA4D8CAAAAjAAAAAAAAAAAAAAAu+DjDP///wgAAAAAAAAAAAAAAAAAAAAAAAAAAAAAAAAAAAAAZAAAAAEAAABAAAAAAAAAAAAAAAAAAAAAAAAAAAAAAAAAAAAAAAAAAAAAAAAAAAAAAAAAAAAAAAAAAAAAAAAAAAAAAAAAAAAAAAAAAAAAAAAAAAAAAAAAAAAAAAAAAAAAFAAAADwAAAAAAAAAAAAAAAAAAAkUAAAAAQAAABQAAAAUAAAAFAAAAAEAAAAAAAAAZAAAAGQAAAAAAAAAZAAAAGQAAAAVAAAAYAAAAAAAAAAAAAAADwAAACADAAAAAAAAAAAAAAEAAACgMgAAVgcAAKr4//8BAAAAf39/AAEAAABkAAAAAAAAABQAAABAHwAAAAAAACYAAAAAAAAAwOD//wAAAAAmAAAAZAAAABYAAABMAAAAAAAAAAAAAAAEAAAAAAAAAAEAAACAgIAKAAAAACgAAAAoAAAAZAAAAGQAAAAAAAAAzMzMAAAAAABQAAAAUAAAAGQAAABkAAAAAAAAABcAAAAUAAAAAAAAAAAAAAD/fwAA/38AAAAAAAAJAAAABAAAAHsAfAAeAAAAaAAAAAAAAAAAAAAAAAAAAAAAAAAAAAAAECcAABAnAAAAAAAAAAAAAAAAAAAAAAAAAAAAAAAAAAAAAAAAAAAAABQAAAAAAAAAwMD/AAAAAABkAAAAMgAAAAAAAABkAAAAAAAAAH9/fwAKAAAAIgAAABgAAAAAAAAAAAAAAAAAAAAAAAAAAAAAAAAAAAAkAAAAJAAAAAAAAAAHAAAAAAAAAAAAAAAAAAAAAAAAAAAAAAAAAAAAf39/ACUAAABYAAAAAAAAAAAAAAAAAAAAAAAAAAAAAAAAAAAAAAAAAAAAAAAAAAAAAAAAAAAAAAA/AAAAAAAAAKCGAQAAAAAAAAAAAAAAAAAMAAAAAQAAAAAAAAAAAAAAAAAAAB8AAABUAAAAAAAABQAAAAEAAAAAAAAAAAAAAAAAAAAAAAAAAAAAAAAAAAAAAAAAAAAAAAJ/f38AAAAAA8zMzADAwP8Af39/AAAAAAAAAAAAAAAAAAAAAAAAAAAAIQAAABgAAAAUAAAAwTUAABsnAABARwAAWSkAABAAAAAmAAAACAAAAAAAAAAAAAAAMAAAABQAAAAAAAAAAAD//wAAAQAAAP//AAABAA=="/>
+                <pr:smNativeData xmlns:pr="smNativeData" xmlns="smNativeData" val="SMDATA_16_jeCHZxMAAAAlAAAAZAAAAA8BAAAAkAAAAEgAAACQAAAASAAAAAAAAAABAAAAAAAAAAEAAABQAAAAAAAAAAAA4D8AAAAAAADgPwAAAAAAAOA/AAAAAAAA4D8AAAAAAADgPwAAAAAAAOA/AAAAAAAA4D8AAAAAAADgPwAAAAAAAOA/AAAAAAAA4D8CAAAAjAAAAAAAAAAAAAAAu+DjDP///wgAAAAAAAAAAAAAAAAAAAAAAAAAAAAAAAAAAAAAZAAAAAEAAABAAAAAAAAAAAAAAAAAAAAAAAAAAAAAAAAAAAAAAAAAAAAAAAAAAAAAAAAAAAAAAAAAAAAAAAAAAAAAAAAAAAAAAAAAAAAAAAAAAAAAAAAAAAAAAAAAAAAAFAAAADwAAAAAAAAAAAAAAAAAAAkUAAAAAQAAABQAAAAUAAAAFAAAAAEAAAAAAAAAZAAAAGQAAAAAAAAAZAAAAGQAAAAVAAAAYAAAAAAAAAAAAAAADwAAACADAAAAAAAAAAAAAAEAAACgMgAAVgcAAKr4//8BAAAAf39/AAEAAABkAAAAAAAAABQAAABAHwAAAAAAACYAAAAAAAAAwOD//wAAAAAmAAAAZAAAABYAAABMAAAAAAAAAAAAAAAEAAAAAAAAAAEAAACAgIAKAAAAACgAAAAoAAAAZAAAAGQAAAAAAAAAzMzMAAAAAABQAAAAUAAAAGQAAABkAAAAAAAAABcAAAAUAAAAAAAAAAAAAAD/fwAA/38AAAAAAAAJAAAABAAAAHsAfAAeAAAAaAAAAAAAAAAAAAAAAAAAAAAAAAAAAAAAECcAABAnAAAAAAAAAAAAAAAAAAAAAAAAAAAAAAAAAAAAAAAAAAAAABQAAAAAAAAAwMD/AAAAAABkAAAAMgAAAAAAAABkAAAAAAAAAH9/fwAKAAAAIgAAABgAAAAAAAAAAAAAAAAAAAAAAAAAAAAAAAAAAAAkAAAAJAAAAAAAAAAHAAAAAAAAAAAAAAAAAAAAAAAAAAAAAAAAAAAAf39/ACUAAABYAAAAAAAAAAAAAAAAAAAAAAAAAAAAAAAAAAAAAAAAAAAAAAAAAAAAAAAAAAAAAAA/AAAAAAAAAKCGAQAAAAAAAAAAAAAAAAAMAAAAAQAAAAAAAAAAAAAAAAAAAB8AAABUAAAAAAAABQAAAAEAAAAAAAAAAAAAAAAAAAAAAAAAAAAAAAAAAAAAAAAAAAAAAAJ/f38AAAAAA8zMzADAwP8Af39/AAAAAAAAAAAAAAAAAAAAAAAAAAAAIQAAABgAAAAUAAAAwTUAABsnAABARwAAWSkAABAAAAAmAAAACAAAAAAAAAAAAAAAMAAAABQAAAAAAAAAAAD//wAAAQAAAP//AAABAA=="/>
               </a:ext>
             </a:extLst>
           </p:cNvSpPr>
@@ -400,7 +400,7 @@
           <a:lstStyle/>
           <a:p>
             <a:pPr/>
-            <a:fld id="{3C72F60E-40D1-2700-9FCA-B655B88469E3}" type="slidenum">
+            <a:fld id="{3D259525-6BD0-7063-9E9D-9D36DBD368C8}" type="slidenum">
               <a:t/>
             </a:fld>
           </a:p>
@@ -439,7 +439,7 @@
             <a:spLocks noGrp="1" noChangeArrowheads="1"/>
             <a:extLst>
               <a:ext uri="smNativeData">
-                <pr:smNativeData xmlns:pr="smNativeData" xmlns="smNativeData" val="SMDATA_16_a8OGZxMAAAAlAAAAZAAAAA8BAAAAkAAAAEgAAACQAAAASAAAAAAAAAABAAAAAAAAAAEAAABQAAAAAAAAAAAA4D8AAAAAAADgPwAAAAAAAOA/AAAAAAAA4D8AAAAAAADgPwAAAAAAAOA/AAAAAAAA4D8AAAAAAADgPwAAAAAAAOA/AAAAAAAA4D8CAAAAjAAAAAAAAAAAAAAAu+DjDP///wgAAAAAAAAAAAAAAAAAAAAAAAAAAAAAAAAAAAAAZAAAAAEAAABAAAAAAAAAAAAAAAAAAAAAAAAAAAAAAAAAAAAAAAAAAAAAAAAAAAAAAAAAAAAAAAAAAAAAAAAAAAAAAAAAAAAAAAAAAAAAAAAAAAAAAAAAAAAAAAAAAAAAFAAAADwAAAAAAAAAAAAAAAAAAAkUAAAAAQAAABQAAAAUAAAAFAAAAAEAAAAAAAAAZAAAAGQAAAAAAAAAZAAAAGQAAAAVAAAAYAAAAAAAAAAAAAAADwAAACADAAAAAAAAAAAAAAEAAACgMgAAVgcAAKr4//8BAAAAf39/AAEAAABkAAAAAAAAABQAAABAHwAAAAAAACYAAAAAAAAAwOD//wAAAAAmAAAAZAAAABYAAABMAAAAAAAAAAAAAAAEAAAAAAAAAAEAAACAgIAKAAAAACgAAAAoAAAAZAAAAGQAAAAAAAAAzMzMAAAAAABQAAAAUAAAAGQAAABkAAAAAAAAABcAAAAUAAAAAAAAAAAAAAD/fwAA/38AAAAAAAAJAAAABAAAAG49IjEeAAAAaAAAAAAAAAAAAAAAAAAAAAAAAAAAAAAAECcAABAnAAAAAAAAAAAAAAAAAAAAAAAAAAAAAAAAAAAAAAAAAAAAABQAAAAAAAAAwMD/AAAAAABkAAAAMgAAAAAAAABkAAAAAAAAAH9/fwAKAAAAIgAAABgAAAAAAAAAAAAAAAAAAAAAAAAAAAAAAAAAAAAkAAAAJAAAAAAAAAAHAAAAAAAAAAAAAAAAAAAAAAAAAAAAAAAAAAAAf39/ACUAAABYAAAAAAAAAAAAAAAAAAAAAAAAAAAAAAAAAAAAAAAAAAAAAAAAAAAAAAAAAAAAAAA/AAAAAAAAAKCGAQAAAAAAAAAAAAAAAAAMAAAAAQAAAAAAAAAAAAAAAAAAAB8AAABUAAAAAAAABQAAAAEAAAAAAAAAAAAAAAAAAAAAAAAAAAAAAAAAAAAAAAAAAAAAAAJ/f38AAAAAA8zMzADAwP8Af39/AAAAAAAAAAAAAAAAAAAAAAAAAAAAIQAAABgAAAAUAAAAwAMAALABAABARwAAuAgAABAAAAAmAAAACAAAAAAAAAAAAAAAMAAAABQAAAAAAAAAAAD//wAAAQAAAP//AAABAA=="/>
+                <pr:smNativeData xmlns:pr="smNativeData" xmlns="smNativeData" val="SMDATA_16_jeCHZxMAAAAlAAAAZAAAAA8BAAAAkAAAAEgAAACQAAAASAAAAAAAAAABAAAAAAAAAAEAAABQAAAAAAAAAAAA4D8AAAAAAADgPwAAAAAAAOA/AAAAAAAA4D8AAAAAAADgPwAAAAAAAOA/AAAAAAAA4D8AAAAAAADgPwAAAAAAAOA/AAAAAAAA4D8CAAAAjAAAAAAAAAAAAAAAu+DjDP///wgAAAAAAAAAAAAAAAAAAAAAAAAAAAAAAAAAAAAAZAAAAAEAAABAAAAAAAAAAAAAAAAAAAAAAAAAAAAAAAAAAAAAAAAAAAAAAAAAAAAAAAAAAAAAAAAAAAAAAAAAAAAAAAAAAAAAAAAAAAAAAAAAAAAAAAAAAAAAAAAAAAAAFAAAADwAAAAAAAAAAAAAAAAAAAkUAAAAAQAAABQAAAAUAAAAFAAAAAEAAAAAAAAAZAAAAGQAAAAAAAAAZAAAAGQAAAAVAAAAYAAAAAAAAAAAAAAADwAAACADAAAAAAAAAAAAAAEAAACgMgAAVgcAAKr4//8BAAAAf39/AAEAAABkAAAAAAAAABQAAABAHwAAAAAAACYAAAAAAAAAwOD//wAAAAAmAAAAZAAAABYAAABMAAAAAAAAAAAAAAAEAAAAAAAAAAEAAACAgIAKAAAAACgAAAAoAAAAZAAAAGQAAAAAAAAAzMzMAAAAAABQAAAAUAAAAGQAAABkAAAAAAAAABcAAAAUAAAAAAAAAAAAAAD/fwAA/38AAAAAAAAJAAAABAAAAG49IjEeAAAAaAAAAAAAAAAAAAAAAAAAAAAAAAAAAAAAECcAABAnAAAAAAAAAAAAAAAAAAAAAAAAAAAAAAAAAAAAAAAAAAAAABQAAAAAAAAAwMD/AAAAAABkAAAAMgAAAAAAAABkAAAAAAAAAH9/fwAKAAAAIgAAABgAAAAAAAAAAAAAAAAAAAAAAAAAAAAAAAAAAAAkAAAAJAAAAAAAAAAHAAAAAAAAAAAAAAAAAAAAAAAAAAAAAAAAAAAAf39/ACUAAABYAAAAAAAAAAAAAAAAAAAAAAAAAAAAAAAAAAAAAAAAAAAAAAAAAAAAAAAAAAAAAAA/AAAAAAAAAKCGAQAAAAAAAAAAAAAAAAAMAAAAAQAAAAAAAAAAAAAAAAAAAB8AAABUAAAAAAAABQAAAAEAAAAAAAAAAAAAAAAAAAAAAAAAAAAAAAAAAAAAAAAAAAAAAAJ/f38AAAAAA8zMzADAwP8Af39/AAAAAAAAAAAAAAAAAAAAAAAAAAAAIQAAABgAAAAUAAAAwAMAALABAABARwAAuAgAABAAAAAmAAAACAAAAAAAAAAAAAAAMAAAABQAAAAAAAAAAAD//wAAAQAAAP//AAABAA=="/>
               </a:ext>
             </a:extLst>
           </p:cNvSpPr>
@@ -466,7 +466,7 @@
             <a:spLocks noGrp="1" noChangeArrowheads="1"/>
             <a:extLst>
               <a:ext uri="smNativeData">
-                <pr:smNativeData xmlns:pr="smNativeData" xmlns="smNativeData" val="SMDATA_16_a8OGZxMAAAAlAAAAZAAAAA8BAAAAkAAAAEgAAACQAAAASAAAAAAAAAAAAAAAAQAAAAEAAABQAAAAAAAAAAAA4D8AAAAAAADgPwAAAAAAAOA/AAAAAAAA4D8AAAAAAADgPwAAAAAAAOA/AAAAAAAA4D8AAAAAAADgPwAAAAAAAOA/AAAAAAAA4D8CAAAAjAAAAAAAAAAAAAAAu+DjDP///wgAAAAAAAAAAAAAAAAAAAAAAAAAAAAAAAAAAAAAZAAAAAEAAABAAAAAAAAAAAAAAAAAAAAAAAAAAAAAAAAAAAAAAAAAAAAAAAAAAAAAAAAAAAAAAAAAAAAAAAAAAAAAAAAAAAAAAAAAAAAAAAAAAAAAAAAAAAAAAAAAAAAAFAAAADwAAAAAAAAAAAAAAAAAAAkUAAAAAQAAABQAAAAUAAAAFAAAAAEAAAAAAAAAZAAAAGQAAAAAAAAAZAAAAGQAAAAVAAAAYAAAAAAAAAAAAAAADwAAACADAAAAAAAAAAAAAAEAAACgMgAAVgcAAKr4//8BAAAAf39/AAEAAABkAAAAAAAAABQAAABAHwAAAAAAACYAAAAAAAAAwOD//wAAAAAmAAAAZAAAABYAAABMAAAAAAAAAAAAAAAEAAAAAAAAAAEAAACAgIAKAAAAACgAAAAoAAAAZAAAAGQAAAAAAAAAzMzMAAAAAABQAAAAUAAAAGQAAABkAAAAAAAAABcAAAAUAAAAAAAAAAAAAAD/fwAA/38AAAAAAAAJAAAABAAAAAAAAAAeAAAAaAAAAAAAAAAAAAAAAAAAAAAAAAAAAAAAECcAABAnAAAAAAAAAAAAAAAAAAAAAAAAAAAAAAAAAAAAAAAAAAAAABQAAAAAAAAAwMD/AAAAAABkAAAAMgAAAAAAAABkAAAAAAAAAH9/fwAKAAAAIgAAABgAAAAAAAAAAAAAAAAAAAAAAAAAAAAAAAAAAAAkAAAAJAAAAAAAAAAHAAAAAAAAAAAAAAAAAAAAAAAAAAAAAAAAAAAAf39/ACUAAABYAAAAAAAAAAAAAAAAAAAAAAAAAAAAAAAAAAAAAAAAAAAAAAAAAAAAAAAAAAAAAAA/AAAAAAAAAKCGAQAAAAAAAAAAAAAAAAAMAAAAAQAAAAAAAAAAAAAAAAAAAB8AAABUAAAAAAAABQAAAAEAAAAAAAAAAAAAAAAAAAAAAAAAAAAAAAAAAAAAAAAAAAAAAAJ/f38AAAAAA8zMzADAwP8Af39/AAAAAAAAAAAAAAAAAAAAAAAAAAAAIQAAABgAAAAUAAAAwAMAANgJAABARwAAsCUAABAAAAAmAAAACAAAAAIAAAAAAAAAMAAAABQAAAAAAAAAAAD//wAAAQAAAP//AAABAA=="/>
+                <pr:smNativeData xmlns:pr="smNativeData" xmlns="smNativeData" val="SMDATA_16_jeCHZxMAAAAlAAAAZAAAAA8BAAAAkAAAAEgAAACQAAAASAAAAAAAAAAAAAAAAQAAAAEAAABQAAAAAAAAAAAA4D8AAAAAAADgPwAAAAAAAOA/AAAAAAAA4D8AAAAAAADgPwAAAAAAAOA/AAAAAAAA4D8AAAAAAADgPwAAAAAAAOA/AAAAAAAA4D8CAAAAjAAAAAAAAAAAAAAAu+DjDP///wgAAAAAAAAAAAAAAAAAAAAAAAAAAAAAAAAAAAAAZAAAAAEAAABAAAAAAAAAAAAAAAAAAAAAAAAAAAAAAAAAAAAAAAAAAAAAAAAAAAAAAAAAAAAAAAAAAAAAAAAAAAAAAAAAAAAAAAAAAAAAAAAAAAAAAAAAAAAAAAAAAAAAFAAAADwAAAAAAAAAAAAAAAAAAAkUAAAAAQAAABQAAAAUAAAAFAAAAAEAAAAAAAAAZAAAAGQAAAAAAAAAZAAAAGQAAAAVAAAAYAAAAAAAAAAAAAAADwAAACADAAAAAAAAAAAAAAEAAACgMgAAVgcAAKr4//8BAAAAf39/AAEAAABkAAAAAAAAABQAAABAHwAAAAAAACYAAAAAAAAAwOD//wAAAAAmAAAAZAAAABYAAABMAAAAAAAAAAAAAAAEAAAAAAAAAAEAAACAgIAKAAAAACgAAAAoAAAAZAAAAGQAAAAAAAAAzMzMAAAAAABQAAAAUAAAAGQAAABkAAAAAAAAABcAAAAUAAAAAAAAAAAAAAD/fwAA/38AAAAAAAAJAAAABAAAAAAAAAAeAAAAaAAAAAAAAAAAAAAAAAAAAAAAAAAAAAAAECcAABAnAAAAAAAAAAAAAAAAAAAAAAAAAAAAAAAAAAAAAAAAAAAAABQAAAAAAAAAwMD/AAAAAABkAAAAMgAAAAAAAABkAAAAAAAAAH9/fwAKAAAAIgAAABgAAAAAAAAAAAAAAAAAAAAAAAAAAAAAAAAAAAAkAAAAJAAAAAAAAAAHAAAAAAAAAAAAAAAAAAAAAAAAAAAAAAAAAAAAf39/ACUAAABYAAAAAAAAAAAAAAAAAAAAAAAAAAAAAAAAAAAAAAAAAAAAAAAAAAAAAAAAAAAAAAA/AAAAAAAAAKCGAQAAAAAAAAAAAAAAAAAMAAAAAQAAAAAAAAAAAAAAAAAAAB8AAABUAAAAAAAABQAAAAEAAAAAAAAAAAAAAAAAAAAAAAAAAAAAAAAAAAAAAAAAAAAAAAJ/f38AAAAAA8zMzADAwP8Af39/AAAAAAAAAAAAAAAAAAAAAAAAAAAAIQAAABgAAAAUAAAAwAMAANgJAABARwAAsCUAABAAAAAmAAAACAAAAAIAAAAAAAAAMAAAABQAAAAAAAAAAAD//wAAAQAAAP//AAABAA=="/>
               </a:ext>
             </a:extLst>
           </p:cNvSpPr>
@@ -521,7 +521,7 @@
             <a:spLocks noGrp="1" noChangeArrowheads="1"/>
             <a:extLst>
               <a:ext uri="smNativeData">
-                <pr:smNativeData xmlns:pr="smNativeData" xmlns="smNativeData" val="SMDATA_16_a8OGZxMAAAAlAAAAZAAAAA8BAAAAkAAAAEgAAACQAAAASAAAAAAAAAABAAAAAAAAAAEAAABQAAAAAAAAAAAA4D8AAAAAAADgPwAAAAAAAOA/AAAAAAAA4D8AAAAAAADgPwAAAAAAAOA/AAAAAAAA4D8AAAAAAADgPwAAAAAAAOA/AAAAAAAA4D8CAAAAjAAAAAAAAAAAAAAAu+DjDP///wgAAAAAAAAAAAAAAAAAAAAAAAAAAAAAAAAAAAAAZAAAAAEAAABAAAAAAAAAAAAAAAAAAAAAAAAAAAAAAAAAAAAAAAAAAAAAAAAAAAAAAAAAAAAAAAAAAAAAAAAAAAAAAAAAAAAAAAAAAAAAAAAAAAAAAAAAAAAAAAAAAAAAFAAAADwAAAAAAAAAAAAAAAAAAAkUAAAAAQAAABQAAAAUAAAAFAAAAAEAAAAAAAAAZAAAAGQAAAAAAAAAZAAAAGQAAAAVAAAAYAAAAAAAAAAAAAAADwAAACADAAAAAAAAAAAAAAEAAACgMgAAVgcAAKr4//8BAAAAf39/AAEAAABkAAAAAAAAABQAAABAHwAAAAAAACYAAAAAAAAAwOD//wAAAAAmAAAAZAAAABYAAABMAAAAAAAAAAAAAAAEAAAAAAAAAAEAAACAgIAKAAAAACgAAAAoAAAAZAAAAGQAAAAAAAAAzMzMAAAAAABQAAAAUAAAAGQAAABkAAAAAAAAABcAAAAUAAAAAAAAAAAAAAD/fwAA/38AAAAAAAAJAAAABAAAAAAAAAAeAAAAaAAAAAAAAAAAAAAAAAAAAAAAAAAAAAAAECcAABAnAAAAAAAAAAAAAAAAAAAAAAAAAAAAAAAAAAAAAAAAAAAAABQAAAAAAAAAwMD/AAAAAABkAAAAMgAAAAAAAABkAAAAAAAAAH9/fwAKAAAAIgAAABgAAAAAAAAAAAAAAAAAAAAAAAAAAAAAAAAAAAAkAAAAJAAAAAAAAAAHAAAAAAAAAAAAAAAAAAAAAAAAAAAAAAAAAAAAf39/ACUAAABYAAAAAAAAAAAAAAAAAAAAAAAAAAAAAAAAAAAAAAAAAAAAAAAAAAAAAAAAAAAAAAA/AAAAAAAAAKCGAQAAAAAAAAAAAAAAAAAMAAAAAQAAAAAAAAAAAAAAAAAAAB8AAABUAAAAAAAABQAAAAEAAAAAAAAAAAAAAAAAAAAAAAAAAAAAAAAAAAAAAAAAAAAAAAJ/f38AAAAAA8zMzADAwP8Af39/AAAAAAAAAAAAAAAAAAAAAAAAAAAAIQAAABgAAAAUAAAAwAMAABsnAAA/FQAAWSkAABAAAAAmAAAACAAAAAAAAAAAAAAAMAAAABQAAAAAAAAAAAD//wAAAQAAAP//AAABAA=="/>
+                <pr:smNativeData xmlns:pr="smNativeData" xmlns="smNativeData" val="SMDATA_16_jeCHZxMAAAAlAAAAZAAAAA8BAAAAkAAAAEgAAACQAAAASAAAAAAAAAABAAAAAAAAAAEAAABQAAAAAAAAAAAA4D8AAAAAAADgPwAAAAAAAOA/AAAAAAAA4D8AAAAAAADgPwAAAAAAAOA/AAAAAAAA4D8AAAAAAADgPwAAAAAAAOA/AAAAAAAA4D8CAAAAjAAAAAAAAAAAAAAAu+DjDP///wgAAAAAAAAAAAAAAAAAAAAAAAAAAAAAAAAAAAAAZAAAAAEAAABAAAAAAAAAAAAAAAAAAAAAAAAAAAAAAAAAAAAAAAAAAAAAAAAAAAAAAAAAAAAAAAAAAAAAAAAAAAAAAAAAAAAAAAAAAAAAAAAAAAAAAAAAAAAAAAAAAAAAFAAAADwAAAAAAAAAAAAAAAAAAAkUAAAAAQAAABQAAAAUAAAAFAAAAAEAAAAAAAAAZAAAAGQAAAAAAAAAZAAAAGQAAAAVAAAAYAAAAAAAAAAAAAAADwAAACADAAAAAAAAAAAAAAEAAACgMgAAVgcAAKr4//8BAAAAf39/AAEAAABkAAAAAAAAABQAAABAHwAAAAAAACYAAAAAAAAAwOD//wAAAAAmAAAAZAAAABYAAABMAAAAAAAAAAAAAAAEAAAAAAAAAAEAAACAgIAKAAAAACgAAAAoAAAAZAAAAGQAAAAAAAAAzMzMAAAAAABQAAAAUAAAAGQAAABkAAAAAAAAABcAAAAUAAAAAAAAAAAAAAD/fwAA/38AAAAAAAAJAAAABAAAAAAAAAAeAAAAaAAAAAAAAAAAAAAAAAAAAAAAAAAAAAAAECcAABAnAAAAAAAAAAAAAAAAAAAAAAAAAAAAAAAAAAAAAAAAAAAAABQAAAAAAAAAwMD/AAAAAABkAAAAMgAAAAAAAABkAAAAAAAAAH9/fwAKAAAAIgAAABgAAAAAAAAAAAAAAAAAAAAAAAAAAAAAAAAAAAAkAAAAJAAAAAAAAAAHAAAAAAAAAAAAAAAAAAAAAAAAAAAAAAAAAAAAf39/ACUAAABYAAAAAAAAAAAAAAAAAAAAAAAAAAAAAAAAAAAAAAAAAAAAAAAAAAAAAAAAAAAAAAA/AAAAAAAAAKCGAQAAAAAAAAAAAAAAAAAMAAAAAQAAAAAAAAAAAAAAAAAAAB8AAABUAAAAAAAABQAAAAEAAAAAAAAAAAAAAAAAAAAAAAAAAAAAAAAAAAAAAAAAAAAAAAJ/f38AAAAAA8zMzADAwP8Af39/AAAAAAAAAAAAAAAAAAAAAAAAAAAAIQAAABgAAAAUAAAAwAMAABsnAAA/FQAAWSkAABAAAAAmAAAACAAAAAAAAAAAAAAAMAAAABQAAAAAAAAAAAD//wAAAQAAAP//AAABAA=="/>
               </a:ext>
             </a:extLst>
           </p:cNvSpPr>
@@ -535,7 +535,7 @@
           <a:lstStyle/>
           <a:p>
             <a:pPr/>
-            <a:fld id="{3C72ACDC-92D1-275A-9FCA-640FE2846931}" type="datetime1">
+            <a:fld id="{3D25D702-4CD0-7021-9E9D-BA7499D368EF}" type="datetime1">
               <a:t/>
             </a:fld>
           </a:p>
@@ -548,7 +548,7 @@
             <a:spLocks noGrp="1" noChangeArrowheads="1"/>
             <a:extLst>
               <a:ext uri="smNativeData">
-                <pr:smNativeData xmlns:pr="smNativeData" xmlns="smNativeData" val="SMDATA_16_a8OGZxMAAAAlAAAAZAAAAA8BAAAAkAAAAEgAAACQAAAASAAAAAAAAAABAAAAAAAAAAEAAABQAAAAAAAAAAAA4D8AAAAAAADgPwAAAAAAAOA/AAAAAAAA4D8AAAAAAADgPwAAAAAAAOA/AAAAAAAA4D8AAAAAAADgPwAAAAAAAOA/AAAAAAAA4D8CAAAAjAAAAAAAAAAAAAAAu+DjDP///wgAAAAAAAAAAAAAAAAAAAAAAAAAAAAAAAAAAAAAZAAAAAEAAABAAAAAAAAAAAAAAAAAAAAAAAAAAAAAAAAAAAAAAAAAAAAAAAAAAAAAAAAAAAAAAAAAAAAAAAAAAAAAAAAAAAAAAAAAAAAAAAAAAAAAAAAAAAAAAAAAAAAAFAAAADwAAAAAAAAAAAAAAAAAAAkUAAAAAQAAABQAAAAUAAAAFAAAAAEAAAAAAAAAZAAAAGQAAAAAAAAAZAAAAGQAAAAVAAAAYAAAAAAAAAAAAAAADwAAACADAAAAAAAAAAAAAAEAAACgMgAAVgcAAKr4//8BAAAAf39/AAEAAABkAAAAAAAAABQAAABAHwAAAAAAACYAAAAAAAAAwOD//wAAAAAmAAAAZAAAABYAAABMAAAAAAAAAAAAAAAEAAAAAAAAAAEAAACAgIAKAAAAACgAAAAoAAAAZAAAAGQAAAAAAAAAzMzMAAAAAABQAAAAUAAAAGQAAABkAAAAAAAAABcAAAAUAAAAAAAAAAAAAAD/fwAA/38AAAAAAAAJAAAABAAAAGE6c3AeAAAAaAAAAAAAAAAAAAAAAAAAAAAAAAAAAAAAECcAABAnAAAAAAAAAAAAAAAAAAAAAAAAAAAAAAAAAAAAAAAAAAAAABQAAAAAAAAAwMD/AAAAAABkAAAAMgAAAAAAAABkAAAAAAAAAH9/fwAKAAAAIgAAABgAAAAAAAAAAAAAAAAAAAAAAAAAAAAAAAAAAAAkAAAAJAAAAAAAAAAHAAAAAAAAAAAAAAAAAAAAAAAAAAAAAAAAAAAAf39/ACUAAABYAAAAAAAAAAAAAAAAAAAAAAAAAAAAAAAAAAAAAAAAAAAAAAAAAAAAAAAAAAAAAAA/AAAAAAAAAKCGAQAAAAAAAAAAAAAAAAAMAAAAAQAAAAAAAAAAAAAAAAAAAB8AAABUAAAAAAAABQAAAAEAAAAAAAAAAAAAAAAAAAAAAAAAAAAAAAAAAAAAAAAAAAAAAAJ/f38AAAAAA8zMzADAwP8Af39/AAAAAAAAAAAAAAAAAAAAAAAAAAAAIQAAABgAAAAUAAAAoRkAABsnAABfMQAAWSkAABAAAAAmAAAACAAAAAAAAAAAAAAAMAAAABQAAAAAAAAAAAD//wAAAQAAAP//AAABAA=="/>
+                <pr:smNativeData xmlns:pr="smNativeData" xmlns="smNativeData" val="SMDATA_16_jeCHZxMAAAAlAAAAZAAAAA8BAAAAkAAAAEgAAACQAAAASAAAAAAAAAABAAAAAAAAAAEAAABQAAAAAAAAAAAA4D8AAAAAAADgPwAAAAAAAOA/AAAAAAAA4D8AAAAAAADgPwAAAAAAAOA/AAAAAAAA4D8AAAAAAADgPwAAAAAAAOA/AAAAAAAA4D8CAAAAjAAAAAAAAAAAAAAAu+DjDP///wgAAAAAAAAAAAAAAAAAAAAAAAAAAAAAAAAAAAAAZAAAAAEAAABAAAAAAAAAAAAAAAAAAAAAAAAAAAAAAAAAAAAAAAAAAAAAAAAAAAAAAAAAAAAAAAAAAAAAAAAAAAAAAAAAAAAAAAAAAAAAAAAAAAAAAAAAAAAAAAAAAAAAFAAAADwAAAAAAAAAAAAAAAAAAAkUAAAAAQAAABQAAAAUAAAAFAAAAAEAAAAAAAAAZAAAAGQAAAAAAAAAZAAAAGQAAAAVAAAAYAAAAAAAAAAAAAAADwAAACADAAAAAAAAAAAAAAEAAACgMgAAVgcAAKr4//8BAAAAf39/AAEAAABkAAAAAAAAABQAAABAHwAAAAAAACYAAAAAAAAAwOD//wAAAAAmAAAAZAAAABYAAABMAAAAAAAAAAAAAAAEAAAAAAAAAAEAAACAgIAKAAAAACgAAAAoAAAAZAAAAGQAAAAAAAAAzMzMAAAAAABQAAAAUAAAAGQAAABkAAAAAAAAABcAAAAUAAAAAAAAAAAAAAD/fwAA/38AAAAAAAAJAAAABAAAAGE6c3AeAAAAaAAAAAAAAAAAAAAAAAAAAAAAAAAAAAAAECcAABAnAAAAAAAAAAAAAAAAAAAAAAAAAAAAAAAAAAAAAAAAAAAAABQAAAAAAAAAwMD/AAAAAABkAAAAMgAAAAAAAABkAAAAAAAAAH9/fwAKAAAAIgAAABgAAAAAAAAAAAAAAAAAAAAAAAAAAAAAAAAAAAAkAAAAJAAAAAAAAAAHAAAAAAAAAAAAAAAAAAAAAAAAAAAAAAAAAAAAf39/ACUAAABYAAAAAAAAAAAAAAAAAAAAAAAAAAAAAAAAAAAAAAAAAAAAAAAAAAAAAAAAAAAAAAA/AAAAAAAAAKCGAQAAAAAAAAAAAAAAAAAMAAAAAQAAAAAAAAAAAAAAAAAAAB8AAABUAAAAAAAABQAAAAEAAAAAAAAAAAAAAAAAAAAAAAAAAAAAAAAAAAAAAAAAAAAAAAJ/f38AAAAAA8zMzADAwP8Af39/AAAAAAAAAAAAAAAAAAAAAAAAAAAAIQAAABgAAAAUAAAAoRkAABsnAABfMQAAWSkAABAAAAAmAAAACAAAAAAAAAAAAAAAMAAAABQAAAAAAAAAAAD//wAAAQAAAP//AAABAA=="/>
               </a:ext>
             </a:extLst>
           </p:cNvSpPr>
@@ -572,7 +572,7 @@
             <a:spLocks noGrp="1" noChangeArrowheads="1"/>
             <a:extLst>
               <a:ext uri="smNativeData">
-                <pr:smNativeData xmlns:pr="smNativeData" xmlns="smNativeData" val="SMDATA_16_a8OGZxMAAAAlAAAAZAAAAA8BAAAAkAAAAEgAAACQAAAASAAAAAAAAAABAAAAAAAAAAEAAABQAAAAAAAAAAAA4D8AAAAAAADgPwAAAAAAAOA/AAAAAAAA4D8AAAAAAADgPwAAAAAAAOA/AAAAAAAA4D8AAAAAAADgPwAAAAAAAOA/AAAAAAAA4D8CAAAAjAAAAAAAAAAAAAAAu+DjDP///wgAAAAAAAAAAAAAAAAAAAAAAAAAAAAAAAAAAAAAZAAAAAEAAABAAAAAAAAAAAAAAAAAAAAAAAAAAAAAAAAAAAAAAAAAAAAAAAAAAAAAAAAAAAAAAAAAAAAAAAAAAAAAAAAAAAAAAAAAAAAAAAAAAAAAAAAAAAAAAAAAAAAAFAAAADwAAAAAAAAAAAAAAAAAAAkUAAAAAQAAABQAAAAUAAAAFAAAAAEAAAAAAAAAZAAAAGQAAAAAAAAAZAAAAGQAAAAVAAAAYAAAAAAAAAAAAAAADwAAACADAAAAAAAAAAAAAAEAAACgMgAAVgcAAKr4//8BAAAAf39/AAEAAABkAAAAAAAAABQAAABAHwAAAAAAACYAAAAAAAAAwOD//wAAAAAmAAAAZAAAABYAAABMAAAAAAAAAAAAAAAEAAAAAAAAAAEAAACAgIAKAAAAACgAAAAoAAAAZAAAAGQAAAAAAAAAzMzMAAAAAABQAAAAUAAAAGQAAABkAAAAAAAAABcAAAAUAAAAAAAAAAAAAAD/fwAA/38AAAAAAAAJAAAABAAAAAAAAAAeAAAAaAAAAAAAAAAAAAAAAAAAAAAAAAAAAAAAECcAABAnAAAAAAAAAAAAAAAAAAAAAAAAAAAAAAAAAAAAAAAAAAAAABQAAAAAAAAAwMD/AAAAAABkAAAAMgAAAAAAAABkAAAAAAAAAH9/fwAKAAAAIgAAABgAAAAAAAAAAAAAAAAAAAAAAAAAAAAAAAAAAAAkAAAAJAAAAAAAAAAHAAAAAAAAAAAAAAAAAAAAAAAAAAAAAAAAAAAAf39/ACUAAABYAAAAAAAAAAAAAAAAAAAAAAAAAAAAAAAAAAAAAAAAAAAAAAAAAAAAAAAAAAAAAAA/AAAAAAAAAKCGAQAAAAAAAAAAAAAAAAAMAAAAAQAAAAAAAAAAAAAAAAAAAB8AAABUAAAAAAAABQAAAAEAAAAAAAAAAAAAAAAAAAAAAAAAAAAAAAAAAAAAAAAAAAAAAAJ/f38AAAAAA8zMzADAwP8Af39/AAAAAAAAAAAAAAAAAAAAAAAAAAAAIQAAABgAAAAUAAAAwTUAABsnAABARwAAWSkAABAAAAAmAAAACAAAAAAAAAAAAAAAMAAAABQAAAAAAAAAAAD//wAAAQAAAP//AAABAA=="/>
+                <pr:smNativeData xmlns:pr="smNativeData" xmlns="smNativeData" val="SMDATA_16_jeCHZxMAAAAlAAAAZAAAAA8BAAAAkAAAAEgAAACQAAAASAAAAAAAAAABAAAAAAAAAAEAAABQAAAAAAAAAAAA4D8AAAAAAADgPwAAAAAAAOA/AAAAAAAA4D8AAAAAAADgPwAAAAAAAOA/AAAAAAAA4D8AAAAAAADgPwAAAAAAAOA/AAAAAAAA4D8CAAAAjAAAAAAAAAAAAAAAu+DjDP///wgAAAAAAAAAAAAAAAAAAAAAAAAAAAAAAAAAAAAAZAAAAAEAAABAAAAAAAAAAAAAAAAAAAAAAAAAAAAAAAAAAAAAAAAAAAAAAAAAAAAAAAAAAAAAAAAAAAAAAAAAAAAAAAAAAAAAAAAAAAAAAAAAAAAAAAAAAAAAAAAAAAAAFAAAADwAAAAAAAAAAAAAAAAAAAkUAAAAAQAAABQAAAAUAAAAFAAAAAEAAAAAAAAAZAAAAGQAAAAAAAAAZAAAAGQAAAAVAAAAYAAAAAAAAAAAAAAADwAAACADAAAAAAAAAAAAAAEAAACgMgAAVgcAAKr4//8BAAAAf39/AAEAAABkAAAAAAAAABQAAABAHwAAAAAAACYAAAAAAAAAwOD//wAAAAAmAAAAZAAAABYAAABMAAAAAAAAAAAAAAAEAAAAAAAAAAEAAACAgIAKAAAAACgAAAAoAAAAZAAAAGQAAAAAAAAAzMzMAAAAAABQAAAAUAAAAGQAAABkAAAAAAAAABcAAAAUAAAAAAAAAAAAAAD/fwAA/38AAAAAAAAJAAAABAAAAAAAAAAeAAAAaAAAAAAAAAAAAAAAAAAAAAAAAAAAAAAAECcAABAnAAAAAAAAAAAAAAAAAAAAAAAAAAAAAAAAAAAAAAAAAAAAABQAAAAAAAAAwMD/AAAAAABkAAAAMgAAAAAAAABkAAAAAAAAAH9/fwAKAAAAIgAAABgAAAAAAAAAAAAAAAAAAAAAAAAAAAAAAAAAAAAkAAAAJAAAAAAAAAAHAAAAAAAAAAAAAAAAAAAAAAAAAAAAAAAAAAAAf39/ACUAAABYAAAAAAAAAAAAAAAAAAAAAAAAAAAAAAAAAAAAAAAAAAAAAAAAAAAAAAAAAAAAAAA/AAAAAAAAAKCGAQAAAAAAAAAAAAAAAAAMAAAAAQAAAAAAAAAAAAAAAAAAAB8AAABUAAAAAAAABQAAAAEAAAAAAAAAAAAAAAAAAAAAAAAAAAAAAAAAAAAAAAAAAAAAAAJ/f38AAAAAA8zMzADAwP8Af39/AAAAAAAAAAAAAAAAAAAAAAAAAAAAIQAAABgAAAAUAAAAwTUAABsnAABARwAAWSkAABAAAAAmAAAACAAAAAAAAAAAAAAAMAAAABQAAAAAAAAAAAD//wAAAQAAAP//AAABAA=="/>
               </a:ext>
             </a:extLst>
           </p:cNvSpPr>
@@ -586,7 +586,7 @@
           <a:lstStyle/>
           <a:p>
             <a:pPr/>
-            <a:fld id="{3C72BF76-38D1-2749-9FCA-CE1CF184699B}" type="slidenum">
+            <a:fld id="{3D25D0C3-8DD0-7026-9E9D-7B739ED3682E}" type="slidenum">
               <a:t/>
             </a:fld>
           </a:p>
@@ -625,7 +625,7 @@
             <a:spLocks noGrp="1" noChangeArrowheads="1"/>
             <a:extLst>
               <a:ext uri="smNativeData">
-                <pr:smNativeData xmlns:pr="smNativeData" xmlns="smNativeData" val="SMDATA_16_a8OGZxMAAAAlAAAAZAAAAA8BAAAAkAAAAEgAAACQAAAASAAAAAAAAAACAAAAAQAAAAEAAABQAAAAAAAAAAAA4D8AAAAAAADgPwAAAAAAAOA/AAAAAAAA4D8AAAAAAADgPwAAAAAAAOA/AAAAAAAA4D8AAAAAAADgPwAAAAAAAOA/AAAAAAAA4D8CAAAAjAAAAAAAAAAAAAAAu+DjDP///wgAAAAAAAAAAAAAAAAAAAAAAAAAAAAAAAAAAAAAZAAAAAEAAABAAAAAAAAAAAAAAAAAAAAAAAAAAAAAAAAAAAAAAAAAAAAAAAAAAAAAAAAAAAAAAAAAAAAAAAAAAAAAAAAAAAAAAAAAAAAAAAAAAAAAAAAAAAAAAAAAAAAAFAAAADwAAAAAAAAAAAAAAAAAAAkUAAAAAQAAABQAAAAUAAAAFAAAAAEAAAAAAAAAZAAAAGQAAAAAAAAAZAAAAGQAAAAVAAAAYAAAAAAAAAAAAAAADwAAACADAAAAAAAAAAAAAAEAAACgMgAAVgcAAKr4//8BAAAAf39/AAEAAABkAAAAAAAAABQAAABAHwAAAAAAACYAAAAAAAAAwOD//wAAAAAmAAAAZAAAABYAAABMAAAAAAAAAAAAAAAEAAAAAAAAAAEAAACAgIAKAAAAACgAAAAoAAAAZAAAAGQAAAAAAAAAzMzMAAAAAABQAAAAUAAAAGQAAABkAAAAAAAAABcAAAAUAAAAAAAAAAAAAAD/fwAA/38AAAAAAAAJAAAABAAAAAAAAAAeAAAAaAAAAAAAAAAAAAAAAAAAAAAAAAAAAAAAECcAABAnAAAAAAAAAAAAAAAAAAAAAAAAAAAAAAAAAAAAAAAAAAAAABQAAAAAAAAAwMD/AAAAAABkAAAAMgAAAAAAAABkAAAAAAAAAH9/fwAKAAAAIgAAABgAAAAAAAAAAAAAAAAAAAAAAAAAAAAAAAAAAAAkAAAAJAAAAAAAAAAHAAAAAAAAAAAAAAAAAAAAAAAAAAAAAAAAAAAAf39/ACUAAABYAAAAAAAAAAAAAAAAAAAAAAAAAAAAAAAAAAAAAAAAAAAAAAAAAAAAAAAAAAAAAAA/AAAAAAAAAKCGAQAAAAAAAAAAAAAAAAAMAAAAAQAAAAAAAAAAAAAAAAAAAB8AAABUAAAAAAAABQAAAAEAAAAAAAAAAAAAAAAAAAAAAAAAAAAAAAAAAAAAAAAAAAAAAAJ/f38AAAAAA8zMzADAwP8Af39/AAAAAAAAAAAAAAAAAAAAAAAAAAAAIQAAABgAAAAUAAAAYDYAALABAABARwAAsCUAABAAAAAmAAAACAAAAIMAAAAAAAAAMAAAABQAAAAAAAAAAAD//wAAAQAAAP//AAABAA=="/>
+                <pr:smNativeData xmlns:pr="smNativeData" xmlns="smNativeData" val="SMDATA_16_jeCHZxMAAAAlAAAAZAAAAA8BAAAAkAAAAEgAAACQAAAASAAAAAAAAAACAAAAAQAAAAEAAABQAAAAAAAAAAAA4D8AAAAAAADgPwAAAAAAAOA/AAAAAAAA4D8AAAAAAADgPwAAAAAAAOA/AAAAAAAA4D8AAAAAAADgPwAAAAAAAOA/AAAAAAAA4D8CAAAAjAAAAAAAAAAAAAAAu+DjDP///wgAAAAAAAAAAAAAAAAAAAAAAAAAAAAAAAAAAAAAZAAAAAEAAABAAAAAAAAAAAAAAAAAAAAAAAAAAAAAAAAAAAAAAAAAAAAAAAAAAAAAAAAAAAAAAAAAAAAAAAAAAAAAAAAAAAAAAAAAAAAAAAAAAAAAAAAAAAAAAAAAAAAAFAAAADwAAAAAAAAAAAAAAAAAAAkUAAAAAQAAABQAAAAUAAAAFAAAAAEAAAAAAAAAZAAAAGQAAAAAAAAAZAAAAGQAAAAVAAAAYAAAAAAAAAAAAAAADwAAACADAAAAAAAAAAAAAAEAAACgMgAAVgcAAKr4//8BAAAAf39/AAEAAABkAAAAAAAAABQAAABAHwAAAAAAACYAAAAAAAAAwOD//wAAAAAmAAAAZAAAABYAAABMAAAAAAAAAAAAAAAEAAAAAAAAAAEAAACAgIAKAAAAACgAAAAoAAAAZAAAAGQAAAAAAAAAzMzMAAAAAABQAAAAUAAAAGQAAABkAAAAAAAAABcAAAAUAAAAAAAAAAAAAAD/fwAA/38AAAAAAAAJAAAABAAAAAAAAAAeAAAAaAAAAAAAAAAAAAAAAAAAAAAAAAAAAAAAECcAABAnAAAAAAAAAAAAAAAAAAAAAAAAAAAAAAAAAAAAAAAAAAAAABQAAAAAAAAAwMD/AAAAAABkAAAAMgAAAAAAAABkAAAAAAAAAH9/fwAKAAAAIgAAABgAAAAAAAAAAAAAAAAAAAAAAAAAAAAAAAAAAAAkAAAAJAAAAAAAAAAHAAAAAAAAAAAAAAAAAAAAAAAAAAAAAAAAAAAAf39/ACUAAABYAAAAAAAAAAAAAAAAAAAAAAAAAAAAAAAAAAAAAAAAAAAAAAAAAAAAAAAAAAAAAAA/AAAAAAAAAKCGAQAAAAAAAAAAAAAAAAAMAAAAAQAAAAAAAAAAAAAAAAAAAB8AAABUAAAAAAAABQAAAAEAAAAAAAAAAAAAAAAAAAAAAAAAAAAAAAAAAAAAAAAAAAAAAAJ/f38AAAAAA8zMzADAwP8Af39/AAAAAAAAAAAAAAAAAAAAAAAAAAAAIQAAABgAAAAUAAAAYDYAALABAABARwAAsCUAABAAAAAmAAAACAAAAIMAAAAAAAAAMAAAABQAAAAAAAAAAAD//wAAAQAAAP//AAABAA=="/>
               </a:ext>
             </a:extLst>
           </p:cNvSpPr>
@@ -661,7 +661,7 @@
             <a:spLocks noGrp="1" noChangeArrowheads="1"/>
             <a:extLst>
               <a:ext uri="smNativeData">
-                <pr:smNativeData xmlns:pr="smNativeData" xmlns="smNativeData" val="SMDATA_16_a8OGZxMAAAAlAAAAZAAAAA8BAAAAkAAAAEgAAACQAAAASAAAAAAAAAAAAAAAAQAAAAEAAABQAAAAAAAAAAAA4D8AAAAAAADgPwAAAAAAAOA/AAAAAAAA4D8AAAAAAADgPwAAAAAAAOA/AAAAAAAA4D8AAAAAAADgPwAAAAAAAOA/AAAAAAAA4D8CAAAAjAAAAAAAAAAAAAAAu+DjDP///wgAAAAAAAAAAAAAAAAAAAAAAAAAAAAAAAAAAAAAZAAAAAEAAABAAAAAAAAAAAAAAAAAAAAAAAAAAAAAAAAAAAAAAAAAAAAAAAAAAAAAAAAAAAAAAAAAAAAAAAAAAAAAAAAAAAAAAAAAAAAAAAAAAAAAAAAAAAAAAAAAAAAAFAAAADwAAAAAAAAAAAAAAAAAAAkUAAAAAQAAABQAAAAUAAAAFAAAAAEAAAAAAAAAZAAAAGQAAAAAAAAAZAAAAGQAAAAVAAAAYAAAAAAAAAAAAAAADwAAACADAAAAAAAAAAAAAAEAAACgMgAAVgcAAKr4//8BAAAAf39/AAEAAABkAAAAAAAAABQAAABAHwAAAAAAACYAAAAAAAAAwOD//wAAAAAmAAAAZAAAABYAAABMAAAAAAAAAAAAAAAEAAAAAAAAAAEAAACAgIAKAAAAACgAAAAoAAAAZAAAAGQAAAAAAAAAzMzMAAAAAABQAAAAUAAAAGQAAABkAAAAAAAAABcAAAAUAAAAAAAAAAAAAAD/fwAA/38AAAAAAAAJAAAABAAAAAAAAAAeAAAAaAAAAAAAAAAAAAAAAAAAAAAAAAAAAAAAECcAABAnAAAAAAAAAAAAAAAAAAAAAAAAAAAAAAAAAAAAAAAAAAAAABQAAAAAAAAAwMD/AAAAAABkAAAAMgAAAAAAAABkAAAAAAAAAH9/fwAKAAAAIgAAABgAAAAAAAAAAAAAAAAAAAAAAAAAAAAAAAAAAAAkAAAAJAAAAAAAAAAHAAAAAAAAAAAAAAAAAAAAAAAAAAAAAAAAAAAAf39/ACUAAABYAAAAAAAAAAAAAAAAAAAAAAAAAAAAAAAAAAAAAAAAAAAAAAAAAAAAAAAAAAAAAAA/AAAAAAAAAKCGAQAAAAAAAAAAAAAAAAAMAAAAAQAAAAAAAAAAAAAAAAAAAB8AAABUAAAAAAAABQAAAAEAAAAAAAAAAAAAAAAAAAAAAAAAAAAAAAAAAAAAAAAAAAAAAAJ/f38AAAAAA8zMzADAwP8Af39/AAAAAAAAAAAAAAAAAAAAAAAAAAAAIQAAABgAAAAUAAAAwAMAALABAAAfNQAAsCUAABAAAAAmAAAACAAAAAMAAAAAAAAAMAAAABQAAAAAAAAAAAD//wAAAQAAAP//AAABAA=="/>
+                <pr:smNativeData xmlns:pr="smNativeData" xmlns="smNativeData" val="SMDATA_16_jeCHZxMAAAAlAAAAZAAAAA8BAAAAkAAAAEgAAACQAAAASAAAAAAAAAAAAAAAAQAAAAEAAABQAAAAAAAAAAAA4D8AAAAAAADgPwAAAAAAAOA/AAAAAAAA4D8AAAAAAADgPwAAAAAAAOA/AAAAAAAA4D8AAAAAAADgPwAAAAAAAOA/AAAAAAAA4D8CAAAAjAAAAAAAAAAAAAAAu+DjDP///wgAAAAAAAAAAAAAAAAAAAAAAAAAAAAAAAAAAAAAZAAAAAEAAABAAAAAAAAAAAAAAAAAAAAAAAAAAAAAAAAAAAAAAAAAAAAAAAAAAAAAAAAAAAAAAAAAAAAAAAAAAAAAAAAAAAAAAAAAAAAAAAAAAAAAAAAAAAAAAAAAAAAAFAAAADwAAAAAAAAAAAAAAAAAAAkUAAAAAQAAABQAAAAUAAAAFAAAAAEAAAAAAAAAZAAAAGQAAAAAAAAAZAAAAGQAAAAVAAAAYAAAAAAAAAAAAAAADwAAACADAAAAAAAAAAAAAAEAAACgMgAAVgcAAKr4//8BAAAAf39/AAEAAABkAAAAAAAAABQAAABAHwAAAAAAACYAAAAAAAAAwOD//wAAAAAmAAAAZAAAABYAAABMAAAAAAAAAAAAAAAEAAAAAAAAAAEAAACAgIAKAAAAACgAAAAoAAAAZAAAAGQAAAAAAAAAzMzMAAAAAABQAAAAUAAAAGQAAABkAAAAAAAAABcAAAAUAAAAAAAAAAAAAAD/fwAA/38AAAAAAAAJAAAABAAAAAAAAAAeAAAAaAAAAAAAAAAAAAAAAAAAAAAAAAAAAAAAECcAABAnAAAAAAAAAAAAAAAAAAAAAAAAAAAAAAAAAAAAAAAAAAAAABQAAAAAAAAAwMD/AAAAAABkAAAAMgAAAAAAAABkAAAAAAAAAH9/fwAKAAAAIgAAABgAAAAAAAAAAAAAAAAAAAAAAAAAAAAAAAAAAAAkAAAAJAAAAAAAAAAHAAAAAAAAAAAAAAAAAAAAAAAAAAAAAAAAAAAAf39/ACUAAABYAAAAAAAAAAAAAAAAAAAAAAAAAAAAAAAAAAAAAAAAAAAAAAAAAAAAAAAAAAAAAAA/AAAAAAAAAKCGAQAAAAAAAAAAAAAAAAAMAAAAAQAAAAAAAAAAAAAAAAAAAB8AAABUAAAAAAAABQAAAAEAAAAAAAAAAAAAAAAAAAAAAAAAAAAAAAAAAAAAAAAAAAAAAAJ/f38AAAAAA8zMzADAwP8Af39/AAAAAAAAAAAAAAAAAAAAAAAAAAAAIQAAABgAAAAUAAAAwAMAALABAAAfNQAAsCUAABAAAAAmAAAACAAAAAMAAAAAAAAAMAAAABQAAAAAAAAAAAD//wAAAQAAAP//AAABAA=="/>
               </a:ext>
             </a:extLst>
           </p:cNvSpPr>
@@ -721,7 +721,7 @@
             <a:spLocks noGrp="1" noChangeArrowheads="1"/>
             <a:extLst>
               <a:ext uri="smNativeData">
-                <pr:smNativeData xmlns:pr="smNativeData" xmlns="smNativeData" val="SMDATA_16_a8OGZxMAAAAlAAAAZAAAAA8BAAAAkAAAAEgAAACQAAAASAAAAAAAAAABAAAAAAAAAAEAAABQAAAAAAAAAAAA4D8AAAAAAADgPwAAAAAAAOA/AAAAAAAA4D8AAAAAAADgPwAAAAAAAOA/AAAAAAAA4D8AAAAAAADgPwAAAAAAAOA/AAAAAAAA4D8CAAAAjAAAAAAAAAAAAAAAu+DjDP///wgAAAAAAAAAAAAAAAAAAAAAAAAAAAAAAAAAAAAAZAAAAAEAAABAAAAAAAAAAAAAAAAAAAAAAAAAAAAAAAAAAAAAAAAAAAAAAAAAAAAAAAAAAAAAAAAAAAAAAAAAAAAAAAAAAAAAAAAAAAAAAAAAAAAAAAAAAAAAAAAAAAAAFAAAADwAAAAAAAAAAAAAAAAAAAkUAAAAAQAAABQAAAAUAAAAFAAAAAEAAAAAAAAAZAAAAGQAAAAAAAAAZAAAAGQAAAAVAAAAYAAAAAAAAAAAAAAADwAAACADAAAAAAAAAAAAAAEAAACgMgAAVgcAAKr4//8BAAAAf39/AAEAAABkAAAAAAAAABQAAABAHwAAAAAAACYAAAAAAAAAwOD//wAAAAAmAAAAZAAAABYAAABMAAAAAAAAAAAAAAAEAAAAAAAAAAEAAACAgIAKAAAAACgAAAAoAAAAZAAAAGQAAAAAAAAAzMzMAAAAAABQAAAAUAAAAGQAAABkAAAAAAAAABcAAAAUAAAAAAAAAAAAAAD/fwAA/38AAAAAAAAJAAAABAAAAAAAAAAeAAAAaAAAAAAAAAAAAAAAAAAAAAAAAAAAAAAAECcAABAnAAAAAAAAAAAAAAAAAAAAAAAAAAAAAAAAAAAAAAAAAAAAABQAAAAAAAAAwMD/AAAAAABkAAAAMgAAAAAAAABkAAAAAAAAAH9/fwAKAAAAIgAAABgAAAAAAAAAAAAAAAAAAAAAAAAAAAAAAAAAAAAkAAAAJAAAAAAAAAAHAAAAAAAAAAAAAAAAAAAAAAAAAAAAAAAAAAAAf39/ACUAAABYAAAAAAAAAAAAAAAAAAAAAAAAAAAAAAAAAAAAAAAAAAAAAAAAAAAAAAAAAAAAAAA/AAAAAAAAAKCGAQAAAAAAAAAAAAAAAAAMAAAAAQAAAAAAAAAAAAAAAAAAAB8AAABUAAAAAAAABQAAAAEAAAAAAAAAAAAAAAAAAAAAAAAAAAAAAAAAAAAAAAAAAAAAAAJ/f38AAAAAA8zMzADAwP8Af39/AAAAAAAAAAAAAAAAAAAAAAAAAAAAIQAAABgAAAAUAAAAwAMAABsnAAA/FQAAWSkAABAAAAAmAAAACAAAAAAAAAAAAAAAMAAAABQAAAAAAAAAAAD//wAAAQAAAP//AAABAA=="/>
+                <pr:smNativeData xmlns:pr="smNativeData" xmlns="smNativeData" val="SMDATA_16_jeCHZxMAAAAlAAAAZAAAAA8BAAAAkAAAAEgAAACQAAAASAAAAAAAAAABAAAAAAAAAAEAAABQAAAAAAAAAAAA4D8AAAAAAADgPwAAAAAAAOA/AAAAAAAA4D8AAAAAAADgPwAAAAAAAOA/AAAAAAAA4D8AAAAAAADgPwAAAAAAAOA/AAAAAAAA4D8CAAAAjAAAAAAAAAAAAAAAu+DjDP///wgAAAAAAAAAAAAAAAAAAAAAAAAAAAAAAAAAAAAAZAAAAAEAAABAAAAAAAAAAAAAAAAAAAAAAAAAAAAAAAAAAAAAAAAAAAAAAAAAAAAAAAAAAAAAAAAAAAAAAAAAAAAAAAAAAAAAAAAAAAAAAAAAAAAAAAAAAAAAAAAAAAAAFAAAADwAAAAAAAAAAAAAAAAAAAkUAAAAAQAAABQAAAAUAAAAFAAAAAEAAAAAAAAAZAAAAGQAAAAAAAAAZAAAAGQAAAAVAAAAYAAAAAAAAAAAAAAADwAAACADAAAAAAAAAAAAAAEAAACgMgAAVgcAAKr4//8BAAAAf39/AAEAAABkAAAAAAAAABQAAABAHwAAAAAAACYAAAAAAAAAwOD//wAAAAAmAAAAZAAAABYAAABMAAAAAAAAAAAAAAAEAAAAAAAAAAEAAACAgIAKAAAAACgAAAAoAAAAZAAAAGQAAAAAAAAAzMzMAAAAAABQAAAAUAAAAGQAAABkAAAAAAAAABcAAAAUAAAAAAAAAAAAAAD/fwAA/38AAAAAAAAJAAAABAAAAAAAAAAeAAAAaAAAAAAAAAAAAAAAAAAAAAAAAAAAAAAAECcAABAnAAAAAAAAAAAAAAAAAAAAAAAAAAAAAAAAAAAAAAAAAAAAABQAAAAAAAAAwMD/AAAAAABkAAAAMgAAAAAAAABkAAAAAAAAAH9/fwAKAAAAIgAAABgAAAAAAAAAAAAAAAAAAAAAAAAAAAAAAAAAAAAkAAAAJAAAAAAAAAAHAAAAAAAAAAAAAAAAAAAAAAAAAAAAAAAAAAAAf39/ACUAAABYAAAAAAAAAAAAAAAAAAAAAAAAAAAAAAAAAAAAAAAAAAAAAAAAAAAAAAAAAAAAAAA/AAAAAAAAAKCGAQAAAAAAAAAAAAAAAAAMAAAAAQAAAAAAAAAAAAAAAAAAAB8AAABUAAAAAAAABQAAAAEAAAAAAAAAAAAAAAAAAAAAAAAAAAAAAAAAAAAAAAAAAAAAAAJ/f38AAAAAA8zMzADAwP8Af39/AAAAAAAAAAAAAAAAAAAAAAAAAAAAIQAAABgAAAAUAAAAwAMAABsnAAA/FQAAWSkAABAAAAAmAAAACAAAAAAAAAAAAAAAMAAAABQAAAAAAAAAAAD//wAAAQAAAP//AAABAA=="/>
               </a:ext>
             </a:extLst>
           </p:cNvSpPr>
@@ -735,7 +735,7 @@
           <a:lstStyle/>
           <a:p>
             <a:pPr/>
-            <a:fld id="{3C72F8CD-83D1-270E-9FCA-755BB6846920}" type="datetime1">
+            <a:fld id="{3D2584BC-F2D0-7072-9E9D-0427CAD36851}" type="datetime1">
               <a:t/>
             </a:fld>
           </a:p>
@@ -748,7 +748,7 @@
             <a:spLocks noGrp="1" noChangeArrowheads="1"/>
             <a:extLst>
               <a:ext uri="smNativeData">
-                <pr:smNativeData xmlns:pr="smNativeData" xmlns="smNativeData" val="SMDATA_16_a8OGZxMAAAAlAAAAZAAAAA8BAAAAkAAAAEgAAACQAAAASAAAAAAAAAABAAAAAAAAAAEAAABQAAAAAAAAAAAA4D8AAAAAAADgPwAAAAAAAOA/AAAAAAAA4D8AAAAAAADgPwAAAAAAAOA/AAAAAAAA4D8AAAAAAADgPwAAAAAAAOA/AAAAAAAA4D8CAAAAjAAAAAAAAAAAAAAAu+DjDP///wgAAAAAAAAAAAAAAAAAAAAAAAAAAAAAAAAAAAAAZAAAAAEAAABAAAAAAAAAAAAAAAAAAAAAAAAAAAAAAAAAAAAAAAAAAAAAAAAAAAAAAAAAAAAAAAAAAAAAAAAAAAAAAAAAAAAAAAAAAAAAAAAAAAAAAAAAAAAAAAAAAAAAFAAAADwAAAAAAAAAAAAAAAAAAAkUAAAAAQAAABQAAAAUAAAAFAAAAAEAAAAAAAAAZAAAAGQAAAAAAAAAZAAAAGQAAAAVAAAAYAAAAAAAAAAAAAAADwAAACADAAAAAAAAAAAAAAEAAACgMgAAVgcAAKr4//8BAAAAf39/AAEAAABkAAAAAAAAABQAAABAHwAAAAAAACYAAAAAAAAAwOD//wAAAAAmAAAAZAAAABYAAABMAAAAAAAAAAAAAAAEAAAAAAAAAAEAAACAgIAKAAAAACgAAAAoAAAAZAAAAGQAAAAAAAAAzMzMAAAAAABQAAAAUAAAAGQAAABkAAAAAAAAABcAAAAUAAAAAAAAAAAAAAD/fwAA/38AAAAAAAAJAAAABAAAAAAAAAAeAAAAaAAAAAAAAAAAAAAAAAAAAAAAAAAAAAAAECcAABAnAAAAAAAAAAAAAAAAAAAAAAAAAAAAAAAAAAAAAAAAAAAAABQAAAAAAAAAwMD/AAAAAABkAAAAMgAAAAAAAABkAAAAAAAAAH9/fwAKAAAAIgAAABgAAAAAAAAAAAAAAAAAAAAAAAAAAAAAAAAAAAAkAAAAJAAAAAAAAAAHAAAAAAAAAAAAAAAAAAAAAAAAAAAAAAAAAAAAf39/ACUAAABYAAAAAAAAAAAAAAAAAAAAAAAAAAAAAAAAAAAAAAAAAAAAAAAAAAAAAAAAAAAAAAA/AAAAAAAAAKCGAQAAAAAAAAAAAAAAAAAMAAAAAQAAAAAAAAAAAAAAAAAAAB8AAABUAAAAAAAABQAAAAEAAAAAAAAAAAAAAAAAAAAAAAAAAAAAAAAAAAAAAAAAAAAAAAJ/f38AAAAAA8zMzADAwP8Af39/AAAAAAAAAAAAAAAAAAAAAAAAAAAAIQAAABgAAAAUAAAAoRkAABsnAABfMQAAWSkAABAAAAAmAAAACAAAAAAAAAAAAAAAMAAAABQAAAAAAAAAAAD//wAAAQAAAP//AAABAA=="/>
+                <pr:smNativeData xmlns:pr="smNativeData" xmlns="smNativeData" val="SMDATA_16_jeCHZxMAAAAlAAAAZAAAAA8BAAAAkAAAAEgAAACQAAAASAAAAAAAAAABAAAAAAAAAAEAAABQAAAAAAAAAAAA4D8AAAAAAADgPwAAAAAAAOA/AAAAAAAA4D8AAAAAAADgPwAAAAAAAOA/AAAAAAAA4D8AAAAAAADgPwAAAAAAAOA/AAAAAAAA4D8CAAAAjAAAAAAAAAAAAAAAu+DjDP///wgAAAAAAAAAAAAAAAAAAAAAAAAAAAAAAAAAAAAAZAAAAAEAAABAAAAAAAAAAAAAAAAAAAAAAAAAAAAAAAAAAAAAAAAAAAAAAAAAAAAAAAAAAAAAAAAAAAAAAAAAAAAAAAAAAAAAAAAAAAAAAAAAAAAAAAAAAAAAAAAAAAAAFAAAADwAAAAAAAAAAAAAAAAAAAkUAAAAAQAAABQAAAAUAAAAFAAAAAEAAAAAAAAAZAAAAGQAAAAAAAAAZAAAAGQAAAAVAAAAYAAAAAAAAAAAAAAADwAAACADAAAAAAAAAAAAAAEAAACgMgAAVgcAAKr4//8BAAAAf39/AAEAAABkAAAAAAAAABQAAABAHwAAAAAAACYAAAAAAAAAwOD//wAAAAAmAAAAZAAAABYAAABMAAAAAAAAAAAAAAAEAAAAAAAAAAEAAACAgIAKAAAAACgAAAAoAAAAZAAAAGQAAAAAAAAAzMzMAAAAAABQAAAAUAAAAGQAAABkAAAAAAAAABcAAAAUAAAAAAAAAAAAAAD/fwAA/38AAAAAAAAJAAAABAAAAAAAAAAeAAAAaAAAAAAAAAAAAAAAAAAAAAAAAAAAAAAAECcAABAnAAAAAAAAAAAAAAAAAAAAAAAAAAAAAAAAAAAAAAAAAAAAABQAAAAAAAAAwMD/AAAAAABkAAAAMgAAAAAAAABkAAAAAAAAAH9/fwAKAAAAIgAAABgAAAAAAAAAAAAAAAAAAAAAAAAAAAAAAAAAAAAkAAAAJAAAAAAAAAAHAAAAAAAAAAAAAAAAAAAAAAAAAAAAAAAAAAAAf39/ACUAAABYAAAAAAAAAAAAAAAAAAAAAAAAAAAAAAAAAAAAAAAAAAAAAAAAAAAAAAAAAAAAAAA/AAAAAAAAAKCGAQAAAAAAAAAAAAAAAAAMAAAAAQAAAAAAAAAAAAAAAAAAAB8AAABUAAAAAAAABQAAAAEAAAAAAAAAAAAAAAAAAAAAAAAAAAAAAAAAAAAAAAAAAAAAAAJ/f38AAAAAA8zMzADAwP8Af39/AAAAAAAAAAAAAAAAAAAAAAAAAAAAIQAAABgAAAAUAAAAoRkAABsnAABfMQAAWSkAABAAAAAmAAAACAAAAAAAAAAAAAAAMAAAABQAAAAAAAAAAAD//wAAAQAAAP//AAABAA=="/>
               </a:ext>
             </a:extLst>
           </p:cNvSpPr>
@@ -772,7 +772,7 @@
             <a:spLocks noGrp="1" noChangeArrowheads="1"/>
             <a:extLst>
               <a:ext uri="smNativeData">
-                <pr:smNativeData xmlns:pr="smNativeData" xmlns="smNativeData" val="SMDATA_16_a8OGZxMAAAAlAAAAZAAAAA8BAAAAkAAAAEgAAACQAAAASAAAAAAAAAABAAAAAAAAAAEAAABQAAAAAAAAAAAA4D8AAAAAAADgPwAAAAAAAOA/AAAAAAAA4D8AAAAAAADgPwAAAAAAAOA/AAAAAAAA4D8AAAAAAADgPwAAAAAAAOA/AAAAAAAA4D8CAAAAjAAAAAAAAAAAAAAAu+DjDP///wgAAAAAAAAAAAAAAAAAAAAAAAAAAAAAAAAAAAAAZAAAAAEAAABAAAAAAAAAAAAAAAAAAAAAAAAAAAAAAAAAAAAAAAAAAAAAAAAAAAAAAAAAAAAAAAAAAAAAAAAAAAAAAAAAAAAAAAAAAAAAAAAAAAAAAAAAAAAAAAAAAAAAFAAAADwAAAAAAAAAAAAAAAAAAAkUAAAAAQAAABQAAAAUAAAAFAAAAAEAAAAAAAAAZAAAAGQAAAAAAAAAZAAAAGQAAAAVAAAAYAAAAAAAAAAAAAAADwAAACADAAAAAAAAAAAAAAEAAACgMgAAVgcAAKr4//8BAAAAf39/AAEAAABkAAAAAAAAABQAAABAHwAAAAAAACYAAAAAAAAAwOD//wAAAAAmAAAAZAAAABYAAABMAAAAAAAAAAAAAAAEAAAAAAAAAAEAAACAgIAKAAAAACgAAAAoAAAAZAAAAGQAAAAAAAAAzMzMAAAAAABQAAAAUAAAAGQAAABkAAAAAAAAABcAAAAUAAAAAAAAAAAAAAD/fwAA/38AAAAAAAAJAAAABAAAAAAAAAAeAAAAaAAAAAAAAAAAAAAAAAAAAAAAAAAAAAAAECcAABAnAAAAAAAAAAAAAAAAAAAAAAAAAAAAAAAAAAAAAAAAAAAAABQAAAAAAAAAwMD/AAAAAABkAAAAMgAAAAAAAABkAAAAAAAAAH9/fwAKAAAAIgAAABgAAAAAAAAAAAAAAAAAAAAAAAAAAAAAAAAAAAAkAAAAJAAAAAAAAAAHAAAAAAAAAAAAAAAAAAAAAAAAAAAAAAAAAAAAf39/ACUAAABYAAAAAAAAAAAAAAAAAAAAAAAAAAAAAAAAAAAAAAAAAAAAAAAAAAAAAAAAAAAAAAA/AAAAAAAAAKCGAQAAAAAAAAAAAAAAAAAMAAAAAQAAAAAAAAAAAAAAAAAAAB8AAABUAAAAAAAABQAAAAEAAAAAAAAAAAAAAAAAAAAAAAAAAAAAAAAAAAAAAAAAAAAAAAJ/f38AAAAAA8zMzADAwP8Af39/AAAAAAAAAAAAAAAAAAAAAAAAAAAAIQAAABgAAAAUAAAAwTUAABsnAABARwAAWSkAABAAAAAmAAAACAAAAAAAAAAAAAAAMAAAABQAAAAAAAAAAAD//wAAAQAAAP//AAABAA=="/>
+                <pr:smNativeData xmlns:pr="smNativeData" xmlns="smNativeData" val="SMDATA_16_jeCHZxMAAAAlAAAAZAAAAA8BAAAAkAAAAEgAAACQAAAASAAAAAAAAAABAAAAAAAAAAEAAABQAAAAAAAAAAAA4D8AAAAAAADgPwAAAAAAAOA/AAAAAAAA4D8AAAAAAADgPwAAAAAAAOA/AAAAAAAA4D8AAAAAAADgPwAAAAAAAOA/AAAAAAAA4D8CAAAAjAAAAAAAAAAAAAAAu+DjDP///wgAAAAAAAAAAAAAAAAAAAAAAAAAAAAAAAAAAAAAZAAAAAEAAABAAAAAAAAAAAAAAAAAAAAAAAAAAAAAAAAAAAAAAAAAAAAAAAAAAAAAAAAAAAAAAAAAAAAAAAAAAAAAAAAAAAAAAAAAAAAAAAAAAAAAAAAAAAAAAAAAAAAAFAAAADwAAAAAAAAAAAAAAAAAAAkUAAAAAQAAABQAAAAUAAAAFAAAAAEAAAAAAAAAZAAAAGQAAAAAAAAAZAAAAGQAAAAVAAAAYAAAAAAAAAAAAAAADwAAACADAAAAAAAAAAAAAAEAAACgMgAAVgcAAKr4//8BAAAAf39/AAEAAABkAAAAAAAAABQAAABAHwAAAAAAACYAAAAAAAAAwOD//wAAAAAmAAAAZAAAABYAAABMAAAAAAAAAAAAAAAEAAAAAAAAAAEAAACAgIAKAAAAACgAAAAoAAAAZAAAAGQAAAAAAAAAzMzMAAAAAABQAAAAUAAAAGQAAABkAAAAAAAAABcAAAAUAAAAAAAAAAAAAAD/fwAA/38AAAAAAAAJAAAABAAAAAAAAAAeAAAAaAAAAAAAAAAAAAAAAAAAAAAAAAAAAAAAECcAABAnAAAAAAAAAAAAAAAAAAAAAAAAAAAAAAAAAAAAAAAAAAAAABQAAAAAAAAAwMD/AAAAAABkAAAAMgAAAAAAAABkAAAAAAAAAH9/fwAKAAAAIgAAABgAAAAAAAAAAAAAAAAAAAAAAAAAAAAAAAAAAAAkAAAAJAAAAAAAAAAHAAAAAAAAAAAAAAAAAAAAAAAAAAAAAAAAAAAAf39/ACUAAABYAAAAAAAAAAAAAAAAAAAAAAAAAAAAAAAAAAAAAAAAAAAAAAAAAAAAAAAAAAAAAAA/AAAAAAAAAKCGAQAAAAAAAAAAAAAAAAAMAAAAAQAAAAAAAAAAAAAAAAAAAB8AAABUAAAAAAAABQAAAAEAAAAAAAAAAAAAAAAAAAAAAAAAAAAAAAAAAAAAAAAAAAAAAAJ/f38AAAAAA8zMzADAwP8Af39/AAAAAAAAAAAAAAAAAAAAAAAAAAAAIQAAABgAAAAUAAAAwTUAABsnAABARwAAWSkAABAAAAAmAAAACAAAAAAAAAAAAAAAMAAAABQAAAAAAAAAAAD//wAAAQAAAP//AAABAA=="/>
               </a:ext>
             </a:extLst>
           </p:cNvSpPr>
@@ -786,7 +786,7 @@
           <a:lstStyle/>
           <a:p>
             <a:pPr/>
-            <a:fld id="{3C72E4B0-FED1-2712-9FCA-0847AA84695D}" type="slidenum">
+            <a:fld id="{3D25F667-29D0-7000-9E9D-DF55B8D3688A}" type="slidenum">
               <a:t/>
             </a:fld>
           </a:p>
@@ -825,7 +825,7 @@
             <a:spLocks noGrp="1" noChangeArrowheads="1"/>
             <a:extLst>
               <a:ext uri="smNativeData">
-                <pr:smNativeData xmlns:pr="smNativeData" xmlns="smNativeData" val="SMDATA_16_a8OGZxMAAAAlAAAAZAAAAA8BAAAAkAAAAEgAAACQAAAASAAAAAAAAAABAAAAAAAAAAEAAABQAAAAAAAAAAAA4D8AAAAAAADgPwAAAAAAAOA/AAAAAAAA4D8AAAAAAADgPwAAAAAAAOA/AAAAAAAA4D8AAAAAAADgPwAAAAAAAOA/AAAAAAAA4D8CAAAAjAAAAAAAAAAAAAAAu+DjDP///wgAAAAAAAAAAAAAAAAAAAAAAAAAAAAAAAAAAAAAZAAAAAEAAABAAAAAAAAAAAAAAAAAAAAAAAAAAAAAAAAAAAAAAAAAAAAAAAAAAAAAAAAAAAAAAAAAAAAAAAAAAAAAAAAAAAAAAAAAAAAAAAAAAAAAAAAAAAAAAAAAAAAAFAAAADwAAAAAAAAAAAAAAAAAAAkUAAAAAQAAABQAAAAUAAAAFAAAAAEAAAAAAAAAZAAAAGQAAAAAAAAAZAAAAGQAAAAVAAAAYAAAAAAAAAAAAAAADwAAACADAAAAAAAAAAAAAAEAAACgMgAAVgcAAKr4//8BAAAAf39/AAEAAABkAAAAAAAAABQAAABAHwAAAAAAACYAAAAAAAAAwOD//wAAAAAmAAAAZAAAABYAAABMAAAAAAAAAAAAAAAEAAAAAAAAAAEAAACAgIAKAAAAACgAAAAoAAAAZAAAAGQAAAAAAAAAzMzMAAAAAABQAAAAUAAAAGQAAABkAAAAAAAAABcAAAAUAAAAAAAAAAAAAAD/fwAA/38AAAAAAAAJAAAABAAAAAAAAAAeAAAAaAAAAAAAAAAAAAAAAAAAAAAAAAAAAAAAECcAABAnAAAAAAAAAAAAAAAAAAAAAAAAAAAAAAAAAAAAAAAAAAAAABQAAAAAAAAAwMD/AAAAAABkAAAAMgAAAAAAAABkAAAAAAAAAH9/fwAKAAAAIgAAABgAAAAAAAAAAAAAAAAAAAAAAAAAAAAAAAAAAAAkAAAAJAAAAAAAAAAHAAAAAAAAAAAAAAAAAAAAAAAAAAAAAAAAAAAAf39/ACUAAABYAAAAAAAAAAAAAAAAAAAAAAAAAAAAAAAAAAAAAAAAAAAAAAAAAAAAAAAAAAAAAAA/AAAAAAAAAKCGAQAAAAAAAAAAAAAAAAAMAAAAAQAAAAAAAAAAAAAAAAAAAB8AAABUAAAAAAAABQAAAAEAAAAAAAAAAAAAAAAAAAAAAAAAAAAAAAAAAAAAAAAAAAAAAAJ/f38AAAAAA8zMzADAwP8Af39/AAAAAAAAAAAAAAAAAAAAAAAAAAAAIQAAABgAAAAUAAAAwAMAALABAABARwAAuAgAABAAAAAmAAAACAAAAAAAAAAAAAAAMAAAABQAAAAAAAAAAAD//wAAAQAAAP//AAABAA=="/>
+                <pr:smNativeData xmlns:pr="smNativeData" xmlns="smNativeData" val="SMDATA_16_jeCHZxMAAAAlAAAAZAAAAA8BAAAAkAAAAEgAAACQAAAASAAAAAAAAAABAAAAAAAAAAEAAABQAAAAAAAAAAAA4D8AAAAAAADgPwAAAAAAAOA/AAAAAAAA4D8AAAAAAADgPwAAAAAAAOA/AAAAAAAA4D8AAAAAAADgPwAAAAAAAOA/AAAAAAAA4D8CAAAAjAAAAAAAAAAAAAAAu+DjDP///wgAAAAAAAAAAAAAAAAAAAAAAAAAAAAAAAAAAAAAZAAAAAEAAABAAAAAAAAAAAAAAAAAAAAAAAAAAAAAAAAAAAAAAAAAAAAAAAAAAAAAAAAAAAAAAAAAAAAAAAAAAAAAAAAAAAAAAAAAAAAAAAAAAAAAAAAAAAAAAAAAAAAAFAAAADwAAAAAAAAAAAAAAAAAAAkUAAAAAQAAABQAAAAUAAAAFAAAAAEAAAAAAAAAZAAAAGQAAAAAAAAAZAAAAGQAAAAVAAAAYAAAAAAAAAAAAAAADwAAACADAAAAAAAAAAAAAAEAAACgMgAAVgcAAKr4//8BAAAAf39/AAEAAABkAAAAAAAAABQAAABAHwAAAAAAACYAAAAAAAAAwOD//wAAAAAmAAAAZAAAABYAAABMAAAAAAAAAAAAAAAEAAAAAAAAAAEAAACAgIAKAAAAACgAAAAoAAAAZAAAAGQAAAAAAAAAzMzMAAAAAABQAAAAUAAAAGQAAABkAAAAAAAAABcAAAAUAAAAAAAAAAAAAAD/fwAA/38AAAAAAAAJAAAABAAAAAAAAAAeAAAAaAAAAAAAAAAAAAAAAAAAAAAAAAAAAAAAECcAABAnAAAAAAAAAAAAAAAAAAAAAAAAAAAAAAAAAAAAAAAAAAAAABQAAAAAAAAAwMD/AAAAAABkAAAAMgAAAAAAAABkAAAAAAAAAH9/fwAKAAAAIgAAABgAAAAAAAAAAAAAAAAAAAAAAAAAAAAAAAAAAAAkAAAAJAAAAAAAAAAHAAAAAAAAAAAAAAAAAAAAAAAAAAAAAAAAAAAAf39/ACUAAABYAAAAAAAAAAAAAAAAAAAAAAAAAAAAAAAAAAAAAAAAAAAAAAAAAAAAAAAAAAAAAAA/AAAAAAAAAKCGAQAAAAAAAAAAAAAAAAAMAAAAAQAAAAAAAAAAAAAAAAAAAB8AAABUAAAAAAAABQAAAAEAAAAAAAAAAAAAAAAAAAAAAAAAAAAAAAAAAAAAAAAAAAAAAAJ/f38AAAAAA8zMzADAwP8Af39/AAAAAAAAAAAAAAAAAAAAAAAAAAAAIQAAABgAAAAUAAAAwAMAALABAABARwAAuAgAABAAAAAmAAAACAAAAAAAAAAAAAAAMAAAABQAAAAAAAAAAAD//wAAAQAAAP//AAABAA=="/>
               </a:ext>
             </a:extLst>
           </p:cNvSpPr>
@@ -852,7 +852,7 @@
             <a:spLocks noGrp="1" noChangeArrowheads="1"/>
             <a:extLst>
               <a:ext uri="smNativeData">
-                <pr:smNativeData xmlns:pr="smNativeData" xmlns="smNativeData" val="SMDATA_16_a8OGZxMAAAAlAAAAZAAAAA8BAAAAkAAAAEgAAACQAAAASAAAAAAAAAAAAAAAAAAAAAEAAABQAAAAAAAAAAAA4D8AAAAAAADgPwAAAAAAAOA/AAAAAAAA4D8AAAAAAADgPwAAAAAAAOA/AAAAAAAA4D8AAAAAAADgPwAAAAAAAOA/AAAAAAAA4D8CAAAAjAAAAAAAAAAAAAAAu+DjDP///wgAAAAAAAAAAAAAAAAAAAAAAAAAAAAAAAAAAAAAZAAAAAEAAABAAAAAAAAAAAAAAAAAAAAAAAAAAAAAAAAAAAAAAAAAAAAAAAAAAAAAAAAAAAAAAAAAAAAAAAAAAAAAAAAAAAAAAAAAAAAAAAAAAAAAAAAAAAAAAAAAAAAAFAAAADwAAAAAAAAAAAAAAAAAAAkUAAAAAQAAABQAAAAUAAAAFAAAAAEAAAAAAAAAZAAAAGQAAAAAAAAAZAAAAGQAAAAVAAAAYAAAAAAAAAAAAAAADwAAACADAAAAAAAAAAAAAAEAAACgMgAAVgcAAKr4//8BAAAAf39/AAEAAABkAAAAAAAAABQAAABAHwAAAAAAACYAAAAAAAAAwOD//wAAAAAmAAAAZAAAABYAAABMAAAAAAAAAAAAAAAEAAAAAAAAAAEAAACAgIAKAAAAACgAAAAoAAAAZAAAAGQAAAAAAAAAzMzMAAAAAABQAAAAUAAAAGQAAABkAAAAAAAAABcAAAAUAAAAAAAAAAAAAAD/fwAA/38AAAAAAAAJAAAABAAAAAAAAAAeAAAAaAAAAAAAAAAAAAAAAAAAAAAAAAAAAAAAECcAABAnAAAAAAAAAAAAAAAAAAAAAAAAAAAAAAAAAAAAAAAAAAAAABQAAAAAAAAAwMD/AAAAAABkAAAAMgAAAAAAAABkAAAAAAAAAH9/fwAKAAAAIgAAABgAAAAAAAAAAAAAAAAAAAAAAAAAAAAAAAAAAAAkAAAAJAAAAAAAAAAHAAAAAAAAAAAAAAAAAAAAAAAAAAAAAAAAAAAAf39/ACUAAABYAAAAAAAAAAAAAAAAAAAAAAAAAAAAAAAAAAAAAAAAAAAAAAAAAAAAAAAAAAAAAAA/AAAAAAAAAKCGAQAAAAAAAAAAAAAAAAAMAAAAAQAAAAAAAAAAAAAAAAAAAB8AAABUAAAAAAAABQAAAAEAAAAAAAAAAAAAAAAAAAAAAAAAAAAAAAAAAAAAAAAAAAAAAAJ/f38AAAAAA8zMzADAwP8Af39/AAAAAAAAAAAAAAAAAAAAAAAAAAAAIQAAABgAAAAUAAAAwAMAANgJAABARwAAsCUAABAAAAAmAAAACAAAAAAAAAAAAAAAMAAAABQAAAAAAAAAAAD//wAAAQAAAP//AAABAA=="/>
+                <pr:smNativeData xmlns:pr="smNativeData" xmlns="smNativeData" val="SMDATA_16_jeCHZxMAAAAlAAAAZAAAAA8BAAAAkAAAAEgAAACQAAAASAAAAAAAAAAAAAAAAAAAAAEAAABQAAAAAAAAAAAA4D8AAAAAAADgPwAAAAAAAOA/AAAAAAAA4D8AAAAAAADgPwAAAAAAAOA/AAAAAAAA4D8AAAAAAADgPwAAAAAAAOA/AAAAAAAA4D8CAAAAjAAAAAAAAAAAAAAAu+DjDP///wgAAAAAAAAAAAAAAAAAAAAAAAAAAAAAAAAAAAAAZAAAAAEAAABAAAAAAAAAAAAAAAAAAAAAAAAAAAAAAAAAAAAAAAAAAAAAAAAAAAAAAAAAAAAAAAAAAAAAAAAAAAAAAAAAAAAAAAAAAAAAAAAAAAAAAAAAAAAAAAAAAAAAFAAAADwAAAAAAAAAAAAAAAAAAAkUAAAAAQAAABQAAAAUAAAAFAAAAAEAAAAAAAAAZAAAAGQAAAAAAAAAZAAAAGQAAAAVAAAAYAAAAAAAAAAAAAAADwAAACADAAAAAAAAAAAAAAEAAACgMgAAVgcAAKr4//8BAAAAf39/AAEAAABkAAAAAAAAABQAAABAHwAAAAAAACYAAAAAAAAAwOD//wAAAAAmAAAAZAAAABYAAABMAAAAAAAAAAAAAAAEAAAAAAAAAAEAAACAgIAKAAAAACgAAAAoAAAAZAAAAGQAAAAAAAAAzMzMAAAAAABQAAAAUAAAAGQAAABkAAAAAAAAABcAAAAUAAAAAAAAAAAAAAD/fwAA/38AAAAAAAAJAAAABAAAAAAAAAAeAAAAaAAAAAAAAAAAAAAAAAAAAAAAAAAAAAAAECcAABAnAAAAAAAAAAAAAAAAAAAAAAAAAAAAAAAAAAAAAAAAAAAAABQAAAAAAAAAwMD/AAAAAABkAAAAMgAAAAAAAABkAAAAAAAAAH9/fwAKAAAAIgAAABgAAAAAAAAAAAAAAAAAAAAAAAAAAAAAAAAAAAAkAAAAJAAAAAAAAAAHAAAAAAAAAAAAAAAAAAAAAAAAAAAAAAAAAAAAf39/ACUAAABYAAAAAAAAAAAAAAAAAAAAAAAAAAAAAAAAAAAAAAAAAAAAAAAAAAAAAAAAAAAAAAA/AAAAAAAAAKCGAQAAAAAAAAAAAAAAAAAMAAAAAQAAAAAAAAAAAAAAAAAAAB8AAABUAAAAAAAABQAAAAEAAAAAAAAAAAAAAAAAAAAAAAAAAAAAAAAAAAAAAAAAAAAAAAJ/f38AAAAAA8zMzADAwP8Af39/AAAAAAAAAAAAAAAAAAAAAAAAAAAAIQAAABgAAAAUAAAAwAMAANgJAABARwAAsCUAABAAAAAmAAAACAAAAAAAAAAAAAAAMAAAABQAAAAAAAAAAAD//wAAAQAAAP//AAABAA=="/>
               </a:ext>
             </a:extLst>
           </p:cNvSpPr>
@@ -903,7 +903,7 @@
             <a:spLocks noGrp="1" noChangeArrowheads="1"/>
             <a:extLst>
               <a:ext uri="smNativeData">
-                <pr:smNativeData xmlns:pr="smNativeData" xmlns="smNativeData" val="SMDATA_16_a8OGZxMAAAAlAAAAZAAAAA8BAAAAkAAAAEgAAACQAAAASAAAAAAAAAABAAAAAAAAAAEAAABQAAAAAAAAAAAA4D8AAAAAAADgPwAAAAAAAOA/AAAAAAAA4D8AAAAAAADgPwAAAAAAAOA/AAAAAAAA4D8AAAAAAADgPwAAAAAAAOA/AAAAAAAA4D8CAAAAjAAAAAAAAAAAAAAAu+DjDP///wgAAAAAAAAAAAAAAAAAAAAAAAAAAAAAAAAAAAAAZAAAAAEAAABAAAAAAAAAAAAAAAAAAAAAAAAAAAAAAAAAAAAAAAAAAAAAAAAAAAAAAAAAAAAAAAAAAAAAAAAAAAAAAAAAAAAAAAAAAAAAAAAAAAAAAAAAAAAAAAAAAAAAFAAAADwAAAAAAAAAAAAAAAAAAAkUAAAAAQAAABQAAAAUAAAAFAAAAAEAAAAAAAAAZAAAAGQAAAAAAAAAZAAAAGQAAAAVAAAAYAAAAAAAAAAAAAAADwAAACADAAAAAAAAAAAAAAEAAACgMgAAVgcAAKr4//8BAAAAf39/AAEAAABkAAAAAAAAABQAAABAHwAAAAAAACYAAAAAAAAAwOD//wAAAAAmAAAAZAAAABYAAABMAAAAAAAAAAAAAAAEAAAAAAAAAAEAAACAgIAKAAAAACgAAAAoAAAAZAAAAGQAAAAAAAAAzMzMAAAAAABQAAAAUAAAAGQAAABkAAAAAAAAABcAAAAUAAAAAAAAAAAAAAD/fwAA/38AAAAAAAAJAAAABAAAANw7IAEeAAAAaAAAAAAAAAAAAAAAAAAAAAAAAAAAAAAAECcAABAnAAAAAAAAAAAAAAAAAAAAAAAAAAAAAAAAAAAAAAAAAAAAABQAAAAAAAAAwMD/AAAAAABkAAAAMgAAAAAAAABkAAAAAAAAAH9/fwAKAAAAIgAAABgAAAAAAAAAAAAAAAAAAAAAAAAAAAAAAAAAAAAkAAAAJAAAAAAAAAAHAAAAAAAAAAAAAAAAAAAAAAAAAAAAAAAAAAAAf39/ACUAAABYAAAAAAAAAAAAAAAAAAAAAAAAAAAAAAAAAAAAAAAAAAAAAAAAAAAAAAAAAAAAAAA/AAAAAAAAAKCGAQAAAAAAAAAAAAAAAAAMAAAAAQAAAAAAAAAAAAAAAAAAAB8AAABUAAAAAAAABQAAAAEAAAAAAAAAAAAAAAAAAAAAAAAAAAAAAAAAAAAAAAAAAAAAAAJ/f38AAAAAA8zMzADAwP8Af39/AAAAAAAAAAAAAAAAAAAAAAAAAAAAIQAAABgAAAAUAAAAwAMAABsnAAA/FQAAWSkAABAAAAAmAAAACAAAAAAAAAAAAAAAMAAAABQAAAAAAAAAAAD//wAAAQAAAP//AAABAA=="/>
+                <pr:smNativeData xmlns:pr="smNativeData" xmlns="smNativeData" val="SMDATA_16_jeCHZxMAAAAlAAAAZAAAAA8BAAAAkAAAAEgAAACQAAAASAAAAAAAAAABAAAAAAAAAAEAAABQAAAAAAAAAAAA4D8AAAAAAADgPwAAAAAAAOA/AAAAAAAA4D8AAAAAAADgPwAAAAAAAOA/AAAAAAAA4D8AAAAAAADgPwAAAAAAAOA/AAAAAAAA4D8CAAAAjAAAAAAAAAAAAAAAu+DjDP///wgAAAAAAAAAAAAAAAAAAAAAAAAAAAAAAAAAAAAAZAAAAAEAAABAAAAAAAAAAAAAAAAAAAAAAAAAAAAAAAAAAAAAAAAAAAAAAAAAAAAAAAAAAAAAAAAAAAAAAAAAAAAAAAAAAAAAAAAAAAAAAAAAAAAAAAAAAAAAAAAAAAAAFAAAADwAAAAAAAAAAAAAAAAAAAkUAAAAAQAAABQAAAAUAAAAFAAAAAEAAAAAAAAAZAAAAGQAAAAAAAAAZAAAAGQAAAAVAAAAYAAAAAAAAAAAAAAADwAAACADAAAAAAAAAAAAAAEAAACgMgAAVgcAAKr4//8BAAAAf39/AAEAAABkAAAAAAAAABQAAABAHwAAAAAAACYAAAAAAAAAwOD//wAAAAAmAAAAZAAAABYAAABMAAAAAAAAAAAAAAAEAAAAAAAAAAEAAACAgIAKAAAAACgAAAAoAAAAZAAAAGQAAAAAAAAAzMzMAAAAAABQAAAAUAAAAGQAAABkAAAAAAAAABcAAAAUAAAAAAAAAAAAAAD/fwAA/38AAAAAAAAJAAAABAAAANw7IAEeAAAAaAAAAAAAAAAAAAAAAAAAAAAAAAAAAAAAECcAABAnAAAAAAAAAAAAAAAAAAAAAAAAAAAAAAAAAAAAAAAAAAAAABQAAAAAAAAAwMD/AAAAAABkAAAAMgAAAAAAAABkAAAAAAAAAH9/fwAKAAAAIgAAABgAAAAAAAAAAAAAAAAAAAAAAAAAAAAAAAAAAAAkAAAAJAAAAAAAAAAHAAAAAAAAAAAAAAAAAAAAAAAAAAAAAAAAAAAAf39/ACUAAABYAAAAAAAAAAAAAAAAAAAAAAAAAAAAAAAAAAAAAAAAAAAAAAAAAAAAAAAAAAAAAAA/AAAAAAAAAKCGAQAAAAAAAAAAAAAAAAAMAAAAAQAAAAAAAAAAAAAAAAAAAB8AAABUAAAAAAAABQAAAAEAAAAAAAAAAAAAAAAAAAAAAAAAAAAAAAAAAAAAAAAAAAAAAAJ/f38AAAAAA8zMzADAwP8Af39/AAAAAAAAAAAAAAAAAAAAAAAAAAAAIQAAABgAAAAUAAAAwAMAABsnAAA/FQAAWSkAABAAAAAmAAAACAAAAAAAAAAAAAAAMAAAABQAAAAAAAAAAAD//wAAAQAAAP//AAABAA=="/>
               </a:ext>
             </a:extLst>
           </p:cNvSpPr>
@@ -917,7 +917,7 @@
           <a:lstStyle/>
           <a:p>
             <a:pPr/>
-            <a:fld id="{3C72D8CA-84D1-272E-9FCA-727B96846927}" type="datetime1">
+            <a:fld id="{3D258248-06D0-7074-9E9D-F021CCD368A5}" type="datetime1">
               <a:t/>
             </a:fld>
           </a:p>
@@ -930,7 +930,7 @@
             <a:spLocks noGrp="1" noChangeArrowheads="1"/>
             <a:extLst>
               <a:ext uri="smNativeData">
-                <pr:smNativeData xmlns:pr="smNativeData" xmlns="smNativeData" val="SMDATA_16_a8OGZxMAAAAlAAAAZAAAAA8BAAAAkAAAAEgAAACQAAAASAAAAAAAAAABAAAAAAAAAAEAAABQAAAAAAAAAAAA4D8AAAAAAADgPwAAAAAAAOA/AAAAAAAA4D8AAAAAAADgPwAAAAAAAOA/AAAAAAAA4D8AAAAAAADgPwAAAAAAAOA/AAAAAAAA4D8CAAAAjAAAAAAAAAAAAAAAu+DjDP///wgAAAAAAAAAAAAAAAAAAAAAAAAAAAAAAAAAAAAAZAAAAAEAAABAAAAAAAAAAAAAAAAAAAAAAAAAAAAAAAAAAAAAAAAAAAAAAAAAAAAAAAAAAAAAAAAAAAAAAAAAAAAAAAAAAAAAAAAAAAAAAAAAAAAAAAAAAAAAAAAAAAAAFAAAADwAAAAAAAAAAAAAAAAAAAkUAAAAAQAAABQAAAAUAAAAFAAAAAEAAAAAAAAAZAAAAGQAAAAAAAAAZAAAAGQAAAAVAAAAYAAAAAAAAAAAAAAADwAAACADAAAAAAAAAAAAAAEAAACgMgAAVgcAAKr4//8BAAAAf39/AAEAAABkAAAAAAAAABQAAABAHwAAAAAAACYAAAAAAAAAwOD//wAAAAAmAAAAZAAAABYAAABMAAAAAAAAAAAAAAAEAAAAAAAAAAEAAACAgIAKAAAAACgAAAAoAAAAZAAAAGQAAAAAAAAAzMzMAAAAAABQAAAAUAAAAGQAAABkAAAAAAAAABcAAAAUAAAAAAAAAAAAAAD/fwAA/38AAAAAAAAJAAAABAAAANw7IAEeAAAAaAAAAAAAAAAAAAAAAAAAAAAAAAAAAAAAECcAABAnAAAAAAAAAAAAAAAAAAAAAAAAAAAAAAAAAAAAAAAAAAAAABQAAAAAAAAAwMD/AAAAAABkAAAAMgAAAAAAAABkAAAAAAAAAH9/fwAKAAAAIgAAABgAAAAAAAAAAAAAAAAAAAAAAAAAAAAAAAAAAAAkAAAAJAAAAAAAAAAHAAAAAAAAAAAAAAAAAAAAAAAAAAAAAAAAAAAAf39/ACUAAABYAAAAAAAAAAAAAAAAAAAAAAAAAAAAAAAAAAAAAAAAAAAAAAAAAAAAAAAAAAAAAAA/AAAAAAAAAKCGAQAAAAAAAAAAAAAAAAAMAAAAAQAAAAAAAAAAAAAAAAAAAB8AAABUAAAAAAAABQAAAAEAAAAAAAAAAAAAAAAAAAAAAAAAAAAAAAAAAAAAAAAAAAAAAAJ/f38AAAAAA8zMzADAwP8Af39/AAAAAAAAAAAAAAAAAAAAAAAAAAAAIQAAABgAAAAUAAAAoRkAABsnAABfMQAAWSkAABAAAAAmAAAACAAAAAAAAAAAAAAAMAAAABQAAAAAAAAAAAD//wAAAQAAAP//AAABAA=="/>
+                <pr:smNativeData xmlns:pr="smNativeData" xmlns="smNativeData" val="SMDATA_16_jeCHZxMAAAAlAAAAZAAAAA8BAAAAkAAAAEgAAACQAAAASAAAAAAAAAABAAAAAAAAAAEAAABQAAAAAAAAAAAA4D8AAAAAAADgPwAAAAAAAOA/AAAAAAAA4D8AAAAAAADgPwAAAAAAAOA/AAAAAAAA4D8AAAAAAADgPwAAAAAAAOA/AAAAAAAA4D8CAAAAjAAAAAAAAAAAAAAAu+DjDP///wgAAAAAAAAAAAAAAAAAAAAAAAAAAAAAAAAAAAAAZAAAAAEAAABAAAAAAAAAAAAAAAAAAAAAAAAAAAAAAAAAAAAAAAAAAAAAAAAAAAAAAAAAAAAAAAAAAAAAAAAAAAAAAAAAAAAAAAAAAAAAAAAAAAAAAAAAAAAAAAAAAAAAFAAAADwAAAAAAAAAAAAAAAAAAAkUAAAAAQAAABQAAAAUAAAAFAAAAAEAAAAAAAAAZAAAAGQAAAAAAAAAZAAAAGQAAAAVAAAAYAAAAAAAAAAAAAAADwAAACADAAAAAAAAAAAAAAEAAACgMgAAVgcAAKr4//8BAAAAf39/AAEAAABkAAAAAAAAABQAAABAHwAAAAAAACYAAAAAAAAAwOD//wAAAAAmAAAAZAAAABYAAABMAAAAAAAAAAAAAAAEAAAAAAAAAAEAAACAgIAKAAAAACgAAAAoAAAAZAAAAGQAAAAAAAAAzMzMAAAAAABQAAAAUAAAAGQAAABkAAAAAAAAABcAAAAUAAAAAAAAAAAAAAD/fwAA/38AAAAAAAAJAAAABAAAANw7IAEeAAAAaAAAAAAAAAAAAAAAAAAAAAAAAAAAAAAAECcAABAnAAAAAAAAAAAAAAAAAAAAAAAAAAAAAAAAAAAAAAAAAAAAABQAAAAAAAAAwMD/AAAAAABkAAAAMgAAAAAAAABkAAAAAAAAAH9/fwAKAAAAIgAAABgAAAAAAAAAAAAAAAAAAAAAAAAAAAAAAAAAAAAkAAAAJAAAAAAAAAAHAAAAAAAAAAAAAAAAAAAAAAAAAAAAAAAAAAAAf39/ACUAAABYAAAAAAAAAAAAAAAAAAAAAAAAAAAAAAAAAAAAAAAAAAAAAAAAAAAAAAAAAAAAAAA/AAAAAAAAAKCGAQAAAAAAAAAAAAAAAAAMAAAAAQAAAAAAAAAAAAAAAAAAAB8AAABUAAAAAAAABQAAAAEAAAAAAAAAAAAAAAAAAAAAAAAAAAAAAAAAAAAAAAAAAAAAAAJ/f38AAAAAA8zMzADAwP8Af39/AAAAAAAAAAAAAAAAAAAAAAAAAAAAIQAAABgAAAAUAAAAoRkAABsnAABfMQAAWSkAABAAAAAmAAAACAAAAAAAAAAAAAAAMAAAABQAAAAAAAAAAAD//wAAAQAAAP//AAABAA=="/>
               </a:ext>
             </a:extLst>
           </p:cNvSpPr>
@@ -954,7 +954,7 @@
             <a:spLocks noGrp="1" noChangeArrowheads="1"/>
             <a:extLst>
               <a:ext uri="smNativeData">
-                <pr:smNativeData xmlns:pr="smNativeData" xmlns="smNativeData" val="SMDATA_16_a8OGZxMAAAAlAAAAZAAAAA8BAAAAkAAAAEgAAACQAAAASAAAAAAAAAABAAAAAAAAAAEAAABQAAAAAAAAAAAA4D8AAAAAAADgPwAAAAAAAOA/AAAAAAAA4D8AAAAAAADgPwAAAAAAAOA/AAAAAAAA4D8AAAAAAADgPwAAAAAAAOA/AAAAAAAA4D8CAAAAjAAAAAAAAAAAAAAAu+DjDP///wgAAAAAAAAAAAAAAAAAAAAAAAAAAAAAAAAAAAAAZAAAAAEAAABAAAAAAAAAAAAAAAAAAAAAAAAAAAAAAAAAAAAAAAAAAAAAAAAAAAAAAAAAAAAAAAAAAAAAAAAAAAAAAAAAAAAAAAAAAAAAAAAAAAAAAAAAAAAAAAAAAAAAFAAAADwAAAAAAAAAAAAAAAAAAAkUAAAAAQAAABQAAAAUAAAAFAAAAAEAAAAAAAAAZAAAAGQAAAAAAAAAZAAAAGQAAAAVAAAAYAAAAAAAAAAAAAAADwAAACADAAAAAAAAAAAAAAEAAACgMgAAVgcAAKr4//8BAAAAf39/AAEAAABkAAAAAAAAABQAAABAHwAAAAAAACYAAAAAAAAAwOD//wAAAAAmAAAAZAAAABYAAABMAAAAAAAAAAAAAAAEAAAAAAAAAAEAAACAgIAKAAAAACgAAAAoAAAAZAAAAGQAAAAAAAAAzMzMAAAAAABQAAAAUAAAAGQAAABkAAAAAAAAABcAAAAUAAAAAAAAAAAAAAD/fwAA/38AAAAAAAAJAAAABAAAAAAAAAAeAAAAaAAAAAAAAAAAAAAAAAAAAAAAAAAAAAAAECcAABAnAAAAAAAAAAAAAAAAAAAAAAAAAAAAAAAAAAAAAAAAAAAAABQAAAAAAAAAwMD/AAAAAABkAAAAMgAAAAAAAABkAAAAAAAAAH9/fwAKAAAAIgAAABgAAAAAAAAAAAAAAAAAAAAAAAAAAAAAAAAAAAAkAAAAJAAAAAAAAAAHAAAAAAAAAAAAAAAAAAAAAAAAAAAAAAAAAAAAf39/ACUAAABYAAAAAAAAAAAAAAAAAAAAAAAAAAAAAAAAAAAAAAAAAAAAAAAAAAAAAAAAAAAAAAA/AAAAAAAAAKCGAQAAAAAAAAAAAAAAAAAMAAAAAQAAAAAAAAAAAAAAAAAAAB8AAABUAAAAAAAABQAAAAEAAAAAAAAAAAAAAAAAAAAAAAAAAAAAAAAAAAAAAAAAAAAAAAJ/f38AAAAAA8zMzADAwP8Af39/AAAAAAAAAAAAAAAAAAAAAAAAAAAAIQAAABgAAAAUAAAAwTUAABsnAABARwAAWSkAABAAAAAmAAAACAAAAAAAAAAAAAAAMAAAABQAAAAAAAAAAAD//wAAAQAAAP//AAABAA=="/>
+                <pr:smNativeData xmlns:pr="smNativeData" xmlns="smNativeData" val="SMDATA_16_jeCHZxMAAAAlAAAAZAAAAA8BAAAAkAAAAEgAAACQAAAASAAAAAAAAAABAAAAAAAAAAEAAABQAAAAAAAAAAAA4D8AAAAAAADgPwAAAAAAAOA/AAAAAAAA4D8AAAAAAADgPwAAAAAAAOA/AAAAAAAA4D8AAAAAAADgPwAAAAAAAOA/AAAAAAAA4D8CAAAAjAAAAAAAAAAAAAAAu+DjDP///wgAAAAAAAAAAAAAAAAAAAAAAAAAAAAAAAAAAAAAZAAAAAEAAABAAAAAAAAAAAAAAAAAAAAAAAAAAAAAAAAAAAAAAAAAAAAAAAAAAAAAAAAAAAAAAAAAAAAAAAAAAAAAAAAAAAAAAAAAAAAAAAAAAAAAAAAAAAAAAAAAAAAAFAAAADwAAAAAAAAAAAAAAAAAAAkUAAAAAQAAABQAAAAUAAAAFAAAAAEAAAAAAAAAZAAAAGQAAAAAAAAAZAAAAGQAAAAVAAAAYAAAAAAAAAAAAAAADwAAACADAAAAAAAAAAAAAAEAAACgMgAAVgcAAKr4//8BAAAAf39/AAEAAABkAAAAAAAAABQAAABAHwAAAAAAACYAAAAAAAAAwOD//wAAAAAmAAAAZAAAABYAAABMAAAAAAAAAAAAAAAEAAAAAAAAAAEAAACAgIAKAAAAACgAAAAoAAAAZAAAAGQAAAAAAAAAzMzMAAAAAABQAAAAUAAAAGQAAABkAAAAAAAAABcAAAAUAAAAAAAAAAAAAAD/fwAA/38AAAAAAAAJAAAABAAAAAAAAAAeAAAAaAAAAAAAAAAAAAAAAAAAAAAAAAAAAAAAECcAABAnAAAAAAAAAAAAAAAAAAAAAAAAAAAAAAAAAAAAAAAAAAAAABQAAAAAAAAAwMD/AAAAAABkAAAAMgAAAAAAAABkAAAAAAAAAH9/fwAKAAAAIgAAABgAAAAAAAAAAAAAAAAAAAAAAAAAAAAAAAAAAAAkAAAAJAAAAAAAAAAHAAAAAAAAAAAAAAAAAAAAAAAAAAAAAAAAAAAAf39/ACUAAABYAAAAAAAAAAAAAAAAAAAAAAAAAAAAAAAAAAAAAAAAAAAAAAAAAAAAAAAAAAAAAAA/AAAAAAAAAKCGAQAAAAAAAAAAAAAAAAAMAAAAAQAAAAAAAAAAAAAAAAAAAB8AAABUAAAAAAAABQAAAAEAAAAAAAAAAAAAAAAAAAAAAAAAAAAAAAAAAAAAAAAAAAAAAAJ/f38AAAAAA8zMzADAwP8Af39/AAAAAAAAAAAAAAAAAAAAAAAAAAAAIQAAABgAAAAUAAAAwTUAABsnAABARwAAWSkAABAAAAAmAAAACAAAAAAAAAAAAAAAMAAAABQAAAAAAAAAAAD//wAAAQAAAP//AAABAA=="/>
               </a:ext>
             </a:extLst>
           </p:cNvSpPr>
@@ -968,7 +968,7 @@
           <a:lstStyle/>
           <a:p>
             <a:pPr/>
-            <a:fld id="{3C729A30-7ED1-276C-9FCA-8839D48469DD}" type="slidenum">
+            <a:fld id="{3D25CE18-56D0-7038-9E9D-A06D80D368F5}" type="slidenum">
               <a:t/>
             </a:fld>
           </a:p>
@@ -1007,7 +1007,7 @@
             <a:spLocks noGrp="1" noChangeArrowheads="1"/>
             <a:extLst>
               <a:ext uri="smNativeData">
-                <pr:smNativeData xmlns:pr="smNativeData" xmlns="smNativeData" val="SMDATA_16_a8OGZxMAAAAlAAAAZAAAAA8BAAAAkAAAAEgAAACQAAAASAAAAAAAAAAAAAAAAAAAAAEAAABQAAAAAAAAAAAA4D8AAAAAAADgPwAAAAAAAOA/AAAAAAAA4D8AAAAAAADgPwAAAAAAAOA/AAAAAAAA4D8AAAAAAADgPwAAAAAAAOA/AAAAAAAA4D8CAAAAjAAAAAAAAAAAAAAAu+DjDP///wgAAAAAAAAAAAAAAAAAAAAAAAAAAAAAAAAAAAAAZAAAAAEAAABAAAAAAAAAAAAAAAAAAAAAAAAAAAAAAAAAAAAAAAAAAAAAAAAAAAAAAAAAAAAAAAAAAAAAAAAAAAAAAAAAAAAAAAAAAAAAAAAAAAAAAAAAAAAAAAAAAAAAFAAAADwAAAAAAAAAAAAAAAAAAAkUAAAAAQAAABQAAAAUAAAAFAAAAAEAAAAAAAAAZAAAAGQAAAAAAAAAZAAAAGQAAAAVAAAAYAAAAAAAAAAAAAAADwAAACADAAAAAAAAAAAAAAEAAACgMgAAVgcAAKr4//8BAAAAf39/AAEAAABkAAAAAAAAABQAAABAHwAAAAAAACYAAAAAAAAAwOD//wAAAAAmAAAAZAAAABYAAABMAAAAAAAAAAAAAAAEAAAAAAAAAAEAAACAgIAKAAAAACgAAAAoAAAAZAAAAGQAAAAAAAAAzMzMAAAAAABQAAAAUAAAAGQAAABkAAAAAAAAABcAAAAUAAAAAAAAAAAAAAD/fwAA/38AAAAAAAAJAAAABAAAANw7IAEeAAAAaAAAAAAAAAAAAAAAAAAAAAAAAAAAAAAAECcAABAnAAAAAAAAAAAAAAAAAAAAAAAAAAAAAAAAAAAAAAAAAAAAABQAAAAAAAAAwMD/AAAAAABkAAAAMgAAAAAAAABkAAAAAAAAAH9/fwAKAAAAIgAAABgAAAAAAAAAAAAAAAAAAAAAAAAAAAAAAAAAAAAkAAAAJAAAAAAAAAAHAAAAAAAAAAAAAAAAAAAAAAAAAAAAAAAAAAAAf39/ACUAAABYAAAAAAAAAAAAAAAAAAAAAAAAAAAAAAAAAAAAAAAAAAAAAAAAAAAAAAAAAAAAAAA/AAAAAAAAAKCGAQAAAAAAAAAAAAAAAAAMAAAAAQAAAAAAAAAAAAAAAAAAAB8AAABUAAAAAAAABQAAAAEAAAAAAAAAAAAAAAAAAAAAAAAAAAAAAAAAAAAAAAAAAAAAAAJ/f38AAAAAA8zMzADAwP8Af39/AAAAAAAAAAAAAAAAAAAAAAAAAAAAIQAAABgAAAAUAAAA7QUAABwbAACtRQAAfSMAABAAAAAmAAAACAAAAIGAAAAAAAAAMAAAABQAAAAAAAAAAAD//wAAAQAAAP//AAABAA=="/>
+                <pr:smNativeData xmlns:pr="smNativeData" xmlns="smNativeData" val="SMDATA_16_jeCHZxMAAAAlAAAAZAAAAA8BAAAAkAAAAEgAAACQAAAASAAAAAAAAAAAAAAAAAAAAAEAAABQAAAAAAAAAAAA4D8AAAAAAADgPwAAAAAAAOA/AAAAAAAA4D8AAAAAAADgPwAAAAAAAOA/AAAAAAAA4D8AAAAAAADgPwAAAAAAAOA/AAAAAAAA4D8CAAAAjAAAAAAAAAAAAAAAu+DjDP///wgAAAAAAAAAAAAAAAAAAAAAAAAAAAAAAAAAAAAAZAAAAAEAAABAAAAAAAAAAAAAAAAAAAAAAAAAAAAAAAAAAAAAAAAAAAAAAAAAAAAAAAAAAAAAAAAAAAAAAAAAAAAAAAAAAAAAAAAAAAAAAAAAAAAAAAAAAAAAAAAAAAAAFAAAADwAAAAAAAAAAAAAAAAAAAkUAAAAAQAAABQAAAAUAAAAFAAAAAEAAAAAAAAAZAAAAGQAAAAAAAAAZAAAAGQAAAAVAAAAYAAAAAAAAAAAAAAADwAAACADAAAAAAAAAAAAAAEAAACgMgAAVgcAAKr4//8BAAAAf39/AAEAAABkAAAAAAAAABQAAABAHwAAAAAAACYAAAAAAAAAwOD//wAAAAAmAAAAZAAAABYAAABMAAAAAAAAAAAAAAAEAAAAAAAAAAEAAACAgIAKAAAAACgAAAAoAAAAZAAAAGQAAAAAAAAAzMzMAAAAAABQAAAAUAAAAGQAAABkAAAAAAAAABcAAAAUAAAAAAAAAAAAAAD/fwAA/38AAAAAAAAJAAAABAAAANw7IAEeAAAAaAAAAAAAAAAAAAAAAAAAAAAAAAAAAAAAECcAABAnAAAAAAAAAAAAAAAAAAAAAAAAAAAAAAAAAAAAAAAAAAAAABQAAAAAAAAAwMD/AAAAAABkAAAAMgAAAAAAAABkAAAAAAAAAH9/fwAKAAAAIgAAABgAAAAAAAAAAAAAAAAAAAAAAAAAAAAAAAAAAAAkAAAAJAAAAAAAAAAHAAAAAAAAAAAAAAAAAAAAAAAAAAAAAAAAAAAAf39/ACUAAABYAAAAAAAAAAAAAAAAAAAAAAAAAAAAAAAAAAAAAAAAAAAAAAAAAAAAAAAAAAAAAAA/AAAAAAAAAKCGAQAAAAAAAAAAAAAAAAAMAAAAAQAAAAAAAAAAAAAAAAAAAB8AAABUAAAAAAAABQAAAAEAAAAAAAAAAAAAAAAAAAAAAAAAAAAAAAAAAAAAAAAAAAAAAAJ/f38AAAAAA8zMzADAwP8Af39/AAAAAAAAAAAAAAAAAAAAAAAAAAAAIQAAABgAAAAUAAAA7QUAABwbAACtRQAAfSMAABAAAAAmAAAACAAAAIGAAAAAAAAAMAAAABQAAAAAAAAAAAD//wAAAQAAAP//AAABAA=="/>
               </a:ext>
             </a:extLst>
           </p:cNvSpPr>
@@ -1047,7 +1047,7 @@
             <a:spLocks noGrp="1" noChangeArrowheads="1"/>
             <a:extLst>
               <a:ext uri="smNativeData">
-                <pr:smNativeData xmlns:pr="smNativeData" xmlns="smNativeData" val="SMDATA_16_a8OGZxMAAAAlAAAAZAAAAA8BAAAAkAAAAEgAAACQAAAASAAAAAAAAAACAAAAAAAAAAEAAABQAAAAAAAAAAAA4D8AAAAAAADgPwAAAAAAAOA/AAAAAAAA4D8AAAAAAADgPwAAAAAAAOA/AAAAAAAA4D8AAAAAAADgPwAAAAAAAOA/AAAAAAAA4D8CAAAAjAAAAAAAAAAAAAAAu+DjDP///wgAAAAAAAAAAAAAAAAAAAAAAAAAAAAAAAAAAAAAZAAAAAEAAABAAAAAAAAAAAAAAAAAAAAAAAAAAAAAAAAAAAAAAAAAAAAAAAAAAAAAAAAAAAAAAAAAAAAAAAAAAAAAAAAAAAAAAAAAAAAAAAAAAAAAAAAAAAAAAAAAAAAAFAAAADwAAAAAAAAAAAAAAAAAAAkUAAAAAQAAABQAAAAUAAAAFAAAAAEAAAAAAAAAZAAAAGQAAAAAAAAAZAAAAGQAAAAVAAAAYAAAAAAAAAAAAAAADwAAACADAAAAAAAAAAAAAAEAAACgMgAAVgcAAKr4//8BAAAAf39/AAEAAABkAAAAAAAAABQAAABAHwAAAAAAACYAAAAAAAAAwOD//wAAAAAmAAAAZAAAABYAAABMAAAAAAAAAAAAAAAEAAAAAAAAAAEAAACAgIAKAAAAACgAAAAoAAAAZAAAAGQAAAAAAAAAzMzMAAAAAABQAAAAUAAAAGQAAABkAAAAAAAAABcAAAAUAAAAAAAAAAAAAAD/fwAA/38AAAAAAAAJAAAABAAAANw7IAEeAAAAaAAAAAAAAAAAAAAAAAAAAAAAAAAAAAAAECcAABAnAAAAAAAAAAAAAAAAAAAAAAAAAAAAAAAAAAAAAAAAAAAAABQAAAAAAAAAwMD/AAAAAABkAAAAMgAAAAAAAABkAAAAAAAAAH9/fwAKAAAAIgAAABgAAAAAAAAAAAAAAAAAAAAAAAAAAAAAAAAAAAAkAAAAJAAAAAAAAAAHAAAAAAAAAAAAAAAAAAAAAAAAAAAAAAAAAAAAf39/ACUAAABYAAAAAAAAAAAAAAAAAAAAAAAAAAAAAAAAAAAAAAAAAAAAAAAAAAAAAAAAAAAAAAA/AAAAAAAAAKCGAQAAAAAAAAAAAAAAAAAMAAAAAQAAAAAAAAAAAAAAAAAAAB8AAABUAAAAAAAABQAAAAEAAAAAAAAAAAAAAAAAAAAAAAAAAAAAAAAAAAAAAAAAAAAAAAJ/f38AAAAAA8zMzADAwP8Af39/AAAAAAAAAAAAAAAAAAAAAAAAAAAAIQAAABgAAAAUAAAA7QUAAOERAACtRQAAHBsAABAAAAAmAAAACAAAAIGAAAAAAAAAMAAAABQAAAAAAAAAAAD//wAAAQAAAP//AAABAA=="/>
+                <pr:smNativeData xmlns:pr="smNativeData" xmlns="smNativeData" val="SMDATA_16_jeCHZxMAAAAlAAAAZAAAAA8BAAAAkAAAAEgAAACQAAAASAAAAAAAAAACAAAAAAAAAAEAAABQAAAAAAAAAAAA4D8AAAAAAADgPwAAAAAAAOA/AAAAAAAA4D8AAAAAAADgPwAAAAAAAOA/AAAAAAAA4D8AAAAAAADgPwAAAAAAAOA/AAAAAAAA4D8CAAAAjAAAAAAAAAAAAAAAu+DjDP///wgAAAAAAAAAAAAAAAAAAAAAAAAAAAAAAAAAAAAAZAAAAAEAAABAAAAAAAAAAAAAAAAAAAAAAAAAAAAAAAAAAAAAAAAAAAAAAAAAAAAAAAAAAAAAAAAAAAAAAAAAAAAAAAAAAAAAAAAAAAAAAAAAAAAAAAAAAAAAAAAAAAAAFAAAADwAAAAAAAAAAAAAAAAAAAkUAAAAAQAAABQAAAAUAAAAFAAAAAEAAAAAAAAAZAAAAGQAAAAAAAAAZAAAAGQAAAAVAAAAYAAAAAAAAAAAAAAADwAAACADAAAAAAAAAAAAAAEAAACgMgAAVgcAAKr4//8BAAAAf39/AAEAAABkAAAAAAAAABQAAABAHwAAAAAAACYAAAAAAAAAwOD//wAAAAAmAAAAZAAAABYAAABMAAAAAAAAAAAAAAAEAAAAAAAAAAEAAACAgIAKAAAAACgAAAAoAAAAZAAAAGQAAAAAAAAAzMzMAAAAAABQAAAAUAAAAGQAAABkAAAAAAAAABcAAAAUAAAAAAAAAAAAAAD/fwAA/38AAAAAAAAJAAAABAAAANw7IAEeAAAAaAAAAAAAAAAAAAAAAAAAAAAAAAAAAAAAECcAABAnAAAAAAAAAAAAAAAAAAAAAAAAAAAAAAAAAAAAAAAAAAAAABQAAAAAAAAAwMD/AAAAAABkAAAAMgAAAAAAAABkAAAAAAAAAH9/fwAKAAAAIgAAABgAAAAAAAAAAAAAAAAAAAAAAAAAAAAAAAAAAAAkAAAAJAAAAAAAAAAHAAAAAAAAAAAAAAAAAAAAAAAAAAAAAAAAAAAAf39/ACUAAABYAAAAAAAAAAAAAAAAAAAAAAAAAAAAAAAAAAAAAAAAAAAAAAAAAAAAAAAAAAAAAAA/AAAAAAAAAKCGAQAAAAAAAAAAAAAAAAAMAAAAAQAAAAAAAAAAAAAAAAAAAB8AAABUAAAAAAAABQAAAAEAAAAAAAAAAAAAAAAAAAAAAAAAAAAAAAAAAAAAAAAAAAAAAAJ/f38AAAAAA8zMzADAwP8Af39/AAAAAAAAAAAAAAAAAAAAAAAAAAAAIQAAABgAAAAUAAAA7QUAAOERAACtRQAAHBsAABAAAAAmAAAACAAAAIGAAAAAAAAAMAAAABQAAAAAAAAAAAD//wAAAQAAAP//AAABAA=="/>
               </a:ext>
             </a:extLst>
           </p:cNvSpPr>
@@ -1120,7 +1120,7 @@
             <a:spLocks noGrp="1" noChangeArrowheads="1"/>
             <a:extLst>
               <a:ext uri="smNativeData">
-                <pr:smNativeData xmlns:pr="smNativeData" xmlns="smNativeData" val="SMDATA_16_a8OGZxMAAAAlAAAAZAAAAA8BAAAAkAAAAEgAAACQAAAASAAAAAAAAAABAAAAAAAAAAEAAABQAAAAAAAAAAAA4D8AAAAAAADgPwAAAAAAAOA/AAAAAAAA4D8AAAAAAADgPwAAAAAAAOA/AAAAAAAA4D8AAAAAAADgPwAAAAAAAOA/AAAAAAAA4D8CAAAAjAAAAAAAAAAAAAAAu+DjDP///wgAAAAAAAAAAAAAAAAAAAAAAAAAAAAAAAAAAAAAZAAAAAEAAABAAAAAAAAAAAAAAAAAAAAAAAAAAAAAAAAAAAAAAAAAAAAAAAAAAAAAAAAAAAAAAAAAAAAAAAAAAAAAAAAAAAAAAAAAAAAAAAAAAAAAAAAAAAAAAAAAAAAAFAAAADwAAAAAAAAAAAAAAAAAAAkUAAAAAQAAABQAAAAUAAAAFAAAAAEAAAAAAAAAZAAAAGQAAAAAAAAAZAAAAGQAAAAVAAAAYAAAAAAAAAAAAAAADwAAACADAAAAAAAAAAAAAAEAAACgMgAAVgcAAKr4//8BAAAAf39/AAEAAABkAAAAAAAAABQAAABAHwAAAAAAACYAAAAAAAAAwOD//wAAAAAmAAAAZAAAABYAAABMAAAAAAAAAAAAAAAEAAAAAAAAAAEAAACAgIAKAAAAACgAAAAoAAAAZAAAAGQAAAAAAAAAzMzMAAAAAABQAAAAUAAAAGQAAABkAAAAAAAAABcAAAAUAAAAAAAAAAAAAAD/fwAA/38AAAAAAAAJAAAABAAAAAAAAAAeAAAAaAAAAAAAAAAAAAAAAAAAAAAAAAAAAAAAECcAABAnAAAAAAAAAAAAAAAAAAAAAAAAAAAAAAAAAAAAAAAAAAAAABQAAAAAAAAAwMD/AAAAAABkAAAAMgAAAAAAAABkAAAAAAAAAH9/fwAKAAAAIgAAABgAAAAAAAAAAAAAAAAAAAAAAAAAAAAAAAAAAAAkAAAAJAAAAAAAAAAHAAAAAAAAAAAAAAAAAAAAAAAAAAAAAAAAAAAAf39/ACUAAABYAAAAAAAAAAAAAAAAAAAAAAAAAAAAAAAAAAAAAAAAAAAAAAAAAAAAAAAAAAAAAAA/AAAAAAAAAKCGAQAAAAAAAAAAAAAAAAAMAAAAAQAAAAAAAAAAAAAAAAAAAB8AAABUAAAAAAAABQAAAAEAAAAAAAAAAAAAAAAAAAAAAAAAAAAAAAAAAAAAAAAAAAAAAAJ/f38AAAAAA8zMzADAwP8Af39/AAAAAAAAAAAAAAAAAAAAAAAAAAAAIQAAABgAAAAUAAAAwAMAABsnAAA/FQAAWSkAABAAAAAmAAAACAAAAAAAAAAAAAAAMAAAABQAAAAAAAAAAAD//wAAAQAAAP//AAABAA=="/>
+                <pr:smNativeData xmlns:pr="smNativeData" xmlns="smNativeData" val="SMDATA_16_jeCHZxMAAAAlAAAAZAAAAA8BAAAAkAAAAEgAAACQAAAASAAAAAAAAAABAAAAAAAAAAEAAABQAAAAAAAAAAAA4D8AAAAAAADgPwAAAAAAAOA/AAAAAAAA4D8AAAAAAADgPwAAAAAAAOA/AAAAAAAA4D8AAAAAAADgPwAAAAAAAOA/AAAAAAAA4D8CAAAAjAAAAAAAAAAAAAAAu+DjDP///wgAAAAAAAAAAAAAAAAAAAAAAAAAAAAAAAAAAAAAZAAAAAEAAABAAAAAAAAAAAAAAAAAAAAAAAAAAAAAAAAAAAAAAAAAAAAAAAAAAAAAAAAAAAAAAAAAAAAAAAAAAAAAAAAAAAAAAAAAAAAAAAAAAAAAAAAAAAAAAAAAAAAAFAAAADwAAAAAAAAAAAAAAAAAAAkUAAAAAQAAABQAAAAUAAAAFAAAAAEAAAAAAAAAZAAAAGQAAAAAAAAAZAAAAGQAAAAVAAAAYAAAAAAAAAAAAAAADwAAACADAAAAAAAAAAAAAAEAAACgMgAAVgcAAKr4//8BAAAAf39/AAEAAABkAAAAAAAAABQAAABAHwAAAAAAACYAAAAAAAAAwOD//wAAAAAmAAAAZAAAABYAAABMAAAAAAAAAAAAAAAEAAAAAAAAAAEAAACAgIAKAAAAACgAAAAoAAAAZAAAAGQAAAAAAAAAzMzMAAAAAABQAAAAUAAAAGQAAABkAAAAAAAAABcAAAAUAAAAAAAAAAAAAAD/fwAA/38AAAAAAAAJAAAABAAAAAAAAAAeAAAAaAAAAAAAAAAAAAAAAAAAAAAAAAAAAAAAECcAABAnAAAAAAAAAAAAAAAAAAAAAAAAAAAAAAAAAAAAAAAAAAAAABQAAAAAAAAAwMD/AAAAAABkAAAAMgAAAAAAAABkAAAAAAAAAH9/fwAKAAAAIgAAABgAAAAAAAAAAAAAAAAAAAAAAAAAAAAAAAAAAAAkAAAAJAAAAAAAAAAHAAAAAAAAAAAAAAAAAAAAAAAAAAAAAAAAAAAAf39/ACUAAABYAAAAAAAAAAAAAAAAAAAAAAAAAAAAAAAAAAAAAAAAAAAAAAAAAAAAAAAAAAAAAAA/AAAAAAAAAKCGAQAAAAAAAAAAAAAAAAAMAAAAAQAAAAAAAAAAAAAAAAAAAB8AAABUAAAAAAAABQAAAAEAAAAAAAAAAAAAAAAAAAAAAAAAAAAAAAAAAAAAAAAAAAAAAAJ/f38AAAAAA8zMzADAwP8Af39/AAAAAAAAAAAAAAAAAAAAAAAAAAAAIQAAABgAAAAUAAAAwAMAABsnAAA/FQAAWSkAABAAAAAmAAAACAAAAAAAAAAAAAAAMAAAABQAAAAAAAAAAAD//wAAAQAAAP//AAABAA=="/>
               </a:ext>
             </a:extLst>
           </p:cNvSpPr>
@@ -1134,7 +1134,7 @@
           <a:lstStyle/>
           <a:p>
             <a:pPr/>
-            <a:fld id="{3C72F44E-00D1-2702-9FCA-F657BA8469A3}" type="datetime1">
+            <a:fld id="{3D25FCAF-E1D0-700A-9E9D-175FB2D36842}" type="datetime1">
               <a:t/>
             </a:fld>
           </a:p>
@@ -1147,7 +1147,7 @@
             <a:spLocks noGrp="1" noChangeArrowheads="1"/>
             <a:extLst>
               <a:ext uri="smNativeData">
-                <pr:smNativeData xmlns:pr="smNativeData" xmlns="smNativeData" val="SMDATA_16_a8OGZxMAAAAlAAAAZAAAAA8BAAAAkAAAAEgAAACQAAAASAAAAAAAAAABAAAAAAAAAAEAAABQAAAAAAAAAAAA4D8AAAAAAADgPwAAAAAAAOA/AAAAAAAA4D8AAAAAAADgPwAAAAAAAOA/AAAAAAAA4D8AAAAAAADgPwAAAAAAAOA/AAAAAAAA4D8CAAAAjAAAAAAAAAAAAAAAu+DjDP///wgAAAAAAAAAAAAAAAAAAAAAAAAAAAAAAAAAAAAAZAAAAAEAAABAAAAAAAAAAAAAAAAAAAAAAAAAAAAAAAAAAAAAAAAAAAAAAAAAAAAAAAAAAAAAAAAAAAAAAAAAAAAAAAAAAAAAAAAAAAAAAAAAAAAAAAAAAAAAAAAAAAAAFAAAADwAAAAAAAAAAAAAAAAAAAkUAAAAAQAAABQAAAAUAAAAFAAAAAEAAAAAAAAAZAAAAGQAAAAAAAAAZAAAAGQAAAAVAAAAYAAAAAAAAAAAAAAADwAAACADAAAAAAAAAAAAAAEAAACgMgAAVgcAAKr4//8BAAAAf39/AAEAAABkAAAAAAAAABQAAABAHwAAAAAAACYAAAAAAAAAwOD//wAAAAAmAAAAZAAAABYAAABMAAAAAAAAAAAAAAAEAAAAAAAAAAEAAACAgIAKAAAAACgAAAAoAAAAZAAAAGQAAAAAAAAAzMzMAAAAAABQAAAAUAAAAGQAAABkAAAAAAAAABcAAAAUAAAAAAAAAAAAAAD/fwAA/38AAAAAAAAJAAAABAAAANw7IAEeAAAAaAAAAAAAAAAAAAAAAAAAAAAAAAAAAAAAECcAABAnAAAAAAAAAAAAAAAAAAAAAAAAAAAAAAAAAAAAAAAAAAAAABQAAAAAAAAAwMD/AAAAAABkAAAAMgAAAAAAAABkAAAAAAAAAH9/fwAKAAAAIgAAABgAAAAAAAAAAAAAAAAAAAAAAAAAAAAAAAAAAAAkAAAAJAAAAAAAAAAHAAAAAAAAAAAAAAAAAAAAAAAAAAAAAAAAAAAAf39/ACUAAABYAAAAAAAAAAAAAAAAAAAAAAAAAAAAAAAAAAAAAAAAAAAAAAAAAAAAAAAAAAAAAAA/AAAAAAAAAKCGAQAAAAAAAAAAAAAAAAAMAAAAAQAAAAAAAAAAAAAAAAAAAB8AAABUAAAAAAAABQAAAAEAAAAAAAAAAAAAAAAAAAAAAAAAAAAAAAAAAAAAAAAAAAAAAAJ/f38AAAAAA8zMzADAwP8Af39/AAAAAAAAAAAAAAAAAAAAAAAAAAAAIQAAABgAAAAUAAAAoRkAABsnAABfMQAAWSkAABAAAAAmAAAACAAAAAAAAAAAAAAAMAAAABQAAAAAAAAAAAD//wAAAQAAAP//AAABAA=="/>
+                <pr:smNativeData xmlns:pr="smNativeData" xmlns="smNativeData" val="SMDATA_16_jeCHZxMAAAAlAAAAZAAAAA8BAAAAkAAAAEgAAACQAAAASAAAAAAAAAABAAAAAAAAAAEAAABQAAAAAAAAAAAA4D8AAAAAAADgPwAAAAAAAOA/AAAAAAAA4D8AAAAAAADgPwAAAAAAAOA/AAAAAAAA4D8AAAAAAADgPwAAAAAAAOA/AAAAAAAA4D8CAAAAjAAAAAAAAAAAAAAAu+DjDP///wgAAAAAAAAAAAAAAAAAAAAAAAAAAAAAAAAAAAAAZAAAAAEAAABAAAAAAAAAAAAAAAAAAAAAAAAAAAAAAAAAAAAAAAAAAAAAAAAAAAAAAAAAAAAAAAAAAAAAAAAAAAAAAAAAAAAAAAAAAAAAAAAAAAAAAAAAAAAAAAAAAAAAFAAAADwAAAAAAAAAAAAAAAAAAAkUAAAAAQAAABQAAAAUAAAAFAAAAAEAAAAAAAAAZAAAAGQAAAAAAAAAZAAAAGQAAAAVAAAAYAAAAAAAAAAAAAAADwAAACADAAAAAAAAAAAAAAEAAACgMgAAVgcAAKr4//8BAAAAf39/AAEAAABkAAAAAAAAABQAAABAHwAAAAAAACYAAAAAAAAAwOD//wAAAAAmAAAAZAAAABYAAABMAAAAAAAAAAAAAAAEAAAAAAAAAAEAAACAgIAKAAAAACgAAAAoAAAAZAAAAGQAAAAAAAAAzMzMAAAAAABQAAAAUAAAAGQAAABkAAAAAAAAABcAAAAUAAAAAAAAAAAAAAD/fwAA/38AAAAAAAAJAAAABAAAANw7IAEeAAAAaAAAAAAAAAAAAAAAAAAAAAAAAAAAAAAAECcAABAnAAAAAAAAAAAAAAAAAAAAAAAAAAAAAAAAAAAAAAAAAAAAABQAAAAAAAAAwMD/AAAAAABkAAAAMgAAAAAAAABkAAAAAAAAAH9/fwAKAAAAIgAAABgAAAAAAAAAAAAAAAAAAAAAAAAAAAAAAAAAAAAkAAAAJAAAAAAAAAAHAAAAAAAAAAAAAAAAAAAAAAAAAAAAAAAAAAAAf39/ACUAAABYAAAAAAAAAAAAAAAAAAAAAAAAAAAAAAAAAAAAAAAAAAAAAAAAAAAAAAAAAAAAAAA/AAAAAAAAAKCGAQAAAAAAAAAAAAAAAAAMAAAAAQAAAAAAAAAAAAAAAAAAAB8AAABUAAAAAAAABQAAAAEAAAAAAAAAAAAAAAAAAAAAAAAAAAAAAAAAAAAAAAAAAAAAAAJ/f38AAAAAA8zMzADAwP8Af39/AAAAAAAAAAAAAAAAAAAAAAAAAAAAIQAAABgAAAAUAAAAoRkAABsnAABfMQAAWSkAABAAAAAmAAAACAAAAAAAAAAAAAAAMAAAABQAAAAAAAAAAAD//wAAAQAAAP//AAABAA=="/>
               </a:ext>
             </a:extLst>
           </p:cNvSpPr>
@@ -1171,7 +1171,7 @@
             <a:spLocks noGrp="1" noChangeArrowheads="1"/>
             <a:extLst>
               <a:ext uri="smNativeData">
-                <pr:smNativeData xmlns:pr="smNativeData" xmlns="smNativeData" val="SMDATA_16_a8OGZxMAAAAlAAAAZAAAAA8BAAAAkAAAAEgAAACQAAAASAAAAAAAAAABAAAAAAAAAAEAAABQAAAAAAAAAAAA4D8AAAAAAADgPwAAAAAAAOA/AAAAAAAA4D8AAAAAAADgPwAAAAAAAOA/AAAAAAAA4D8AAAAAAADgPwAAAAAAAOA/AAAAAAAA4D8CAAAAjAAAAAAAAAAAAAAAu+DjDP///wgAAAAAAAAAAAAAAAAAAAAAAAAAAAAAAAAAAAAAZAAAAAEAAABAAAAAAAAAAAAAAAAAAAAAAAAAAAAAAAAAAAAAAAAAAAAAAAAAAAAAAAAAAAAAAAAAAAAAAAAAAAAAAAAAAAAAAAAAAAAAAAAAAAAAAAAAAAAAAAAAAAAAFAAAADwAAAAAAAAAAAAAAAAAAAkUAAAAAQAAABQAAAAUAAAAFAAAAAEAAAAAAAAAZAAAAGQAAAAAAAAAZAAAAGQAAAAVAAAAYAAAAAAAAAAAAAAADwAAACADAAAAAAAAAAAAAAEAAACgMgAAVgcAAKr4//8BAAAAf39/AAEAAABkAAAAAAAAABQAAABAHwAAAAAAACYAAAAAAAAAwOD//wAAAAAmAAAAZAAAABYAAABMAAAAAAAAAAAAAAAEAAAAAAAAAAEAAACAgIAKAAAAACgAAAAoAAAAZAAAAGQAAAAAAAAAzMzMAAAAAABQAAAAUAAAAGQAAABkAAAAAAAAABcAAAAUAAAAAAAAAAAAAAD/fwAA/38AAAAAAAAJAAAABAAAANw7IAEeAAAAaAAAAAAAAAAAAAAAAAAAAAAAAAAAAAAAECcAABAnAAAAAAAAAAAAAAAAAAAAAAAAAAAAAAAAAAAAAAAAAAAAABQAAAAAAAAAwMD/AAAAAABkAAAAMgAAAAAAAABkAAAAAAAAAH9/fwAKAAAAIgAAABgAAAAAAAAAAAAAAAAAAAAAAAAAAAAAAAAAAAAkAAAAJAAAAAAAAAAHAAAAAAAAAAAAAAAAAAAAAAAAAAAAAAAAAAAAf39/ACUAAABYAAAAAAAAAAAAAAAAAAAAAAAAAAAAAAAAAAAAAAAAAAAAAAAAAAAAAAAAAAAAAAA/AAAAAAAAAKCGAQAAAAAAAAAAAAAAAAAMAAAAAQAAAAAAAAAAAAAAAAAAAB8AAABUAAAAAAAABQAAAAEAAAAAAAAAAAAAAAAAAAAAAAAAAAAAAAAAAAAAAAAAAAAAAAJ/f38AAAAAA8zMzADAwP8Af39/AAAAAAAAAAAAAAAAAAAAAAAAAAAAIQAAABgAAAAUAAAAwTUAABsnAABARwAAWSkAABAAAAAmAAAACAAAAAAAAAAAAAAAMAAAABQAAAAAAAAAAAD//wAAAQAAAP//AAABAA=="/>
+                <pr:smNativeData xmlns:pr="smNativeData" xmlns="smNativeData" val="SMDATA_16_jeCHZxMAAAAlAAAAZAAAAA8BAAAAkAAAAEgAAACQAAAASAAAAAAAAAABAAAAAAAAAAEAAABQAAAAAAAAAAAA4D8AAAAAAADgPwAAAAAAAOA/AAAAAAAA4D8AAAAAAADgPwAAAAAAAOA/AAAAAAAA4D8AAAAAAADgPwAAAAAAAOA/AAAAAAAA4D8CAAAAjAAAAAAAAAAAAAAAu+DjDP///wgAAAAAAAAAAAAAAAAAAAAAAAAAAAAAAAAAAAAAZAAAAAEAAABAAAAAAAAAAAAAAAAAAAAAAAAAAAAAAAAAAAAAAAAAAAAAAAAAAAAAAAAAAAAAAAAAAAAAAAAAAAAAAAAAAAAAAAAAAAAAAAAAAAAAAAAAAAAAAAAAAAAAFAAAADwAAAAAAAAAAAAAAAAAAAkUAAAAAQAAABQAAAAUAAAAFAAAAAEAAAAAAAAAZAAAAGQAAAAAAAAAZAAAAGQAAAAVAAAAYAAAAAAAAAAAAAAADwAAACADAAAAAAAAAAAAAAEAAACgMgAAVgcAAKr4//8BAAAAf39/AAEAAABkAAAAAAAAABQAAABAHwAAAAAAACYAAAAAAAAAwOD//wAAAAAmAAAAZAAAABYAAABMAAAAAAAAAAAAAAAEAAAAAAAAAAEAAACAgIAKAAAAACgAAAAoAAAAZAAAAGQAAAAAAAAAzMzMAAAAAABQAAAAUAAAAGQAAABkAAAAAAAAABcAAAAUAAAAAAAAAAAAAAD/fwAA/38AAAAAAAAJAAAABAAAANw7IAEeAAAAaAAAAAAAAAAAAAAAAAAAAAAAAAAAAAAAECcAABAnAAAAAAAAAAAAAAAAAAAAAAAAAAAAAAAAAAAAAAAAAAAAABQAAAAAAAAAwMD/AAAAAABkAAAAMgAAAAAAAABkAAAAAAAAAH9/fwAKAAAAIgAAABgAAAAAAAAAAAAAAAAAAAAAAAAAAAAAAAAAAAAkAAAAJAAAAAAAAAAHAAAAAAAAAAAAAAAAAAAAAAAAAAAAAAAAAAAAf39/ACUAAABYAAAAAAAAAAAAAAAAAAAAAAAAAAAAAAAAAAAAAAAAAAAAAAAAAAAAAAAAAAAAAAA/AAAAAAAAAKCGAQAAAAAAAAAAAAAAAAAMAAAAAQAAAAAAAAAAAAAAAAAAAB8AAABUAAAAAAAABQAAAAEAAAAAAAAAAAAAAAAAAAAAAAAAAAAAAAAAAAAAAAAAAAAAAAJ/f38AAAAAA8zMzADAwP8Af39/AAAAAAAAAAAAAAAAAAAAAAAAAAAAIQAAABgAAAAUAAAAwTUAABsnAABARwAAWSkAABAAAAAmAAAACAAAAAAAAAAAAAAAMAAAABQAAAAAAAAAAAD//wAAAQAAAP//AAABAA=="/>
               </a:ext>
             </a:extLst>
           </p:cNvSpPr>
@@ -1185,7 +1185,7 @@
           <a:lstStyle/>
           <a:p>
             <a:pPr/>
-            <a:fld id="{3C72A948-06D1-275F-9FCA-F00AE78469A5}" type="slidenum">
+            <a:fld id="{3D25A1C2-8CD0-7057-9E9D-7A02EFD3682F}" type="slidenum">
               <a:t/>
             </a:fld>
           </a:p>
@@ -1224,7 +1224,7 @@
             <a:spLocks noGrp="1" noChangeArrowheads="1"/>
             <a:extLst>
               <a:ext uri="smNativeData">
-                <pr:smNativeData xmlns:pr="smNativeData" xmlns="smNativeData" val="SMDATA_16_a8OGZxMAAAAlAAAAZAAAAA8BAAAAkAAAAEgAAACQAAAASAAAAAAAAAABAAAAAAAAAAEAAABQAAAAAAAAAAAA4D8AAAAAAADgPwAAAAAAAOA/AAAAAAAA4D8AAAAAAADgPwAAAAAAAOA/AAAAAAAA4D8AAAAAAADgPwAAAAAAAOA/AAAAAAAA4D8CAAAAjAAAAAAAAAAAAAAAu+DjDP///wgAAAAAAAAAAAAAAAAAAAAAAAAAAAAAAAAAAAAAZAAAAAEAAABAAAAAAAAAAAAAAAAAAAAAAAAAAAAAAAAAAAAAAAAAAAAAAAAAAAAAAAAAAAAAAAAAAAAAAAAAAAAAAAAAAAAAAAAAAAAAAAAAAAAAAAAAAAAAAAAAAAAAFAAAADwAAAAAAAAAAAAAAAAAAAkUAAAAAQAAABQAAAAUAAAAFAAAAAEAAAAAAAAAZAAAAGQAAAAAAAAAZAAAAGQAAAAVAAAAYAAAAAAAAAAAAAAADwAAACADAAAAAAAAAAAAAAEAAACgMgAAVgcAAKr4//8BAAAAf39/AAEAAABkAAAAAAAAABQAAABAHwAAAAAAACYAAAAAAAAAwOD//wAAAAAmAAAAZAAAABYAAABMAAAAAAAAAAAAAAAEAAAAAAAAAAEAAACAgIAKAAAAACgAAAAoAAAAZAAAAGQAAAAAAAAAzMzMAAAAAABQAAAAUAAAAGQAAABkAAAAAAAAABcAAAAUAAAAAAAAAAAAAAD/fwAA/38AAAAAAAAJAAAABAAAANw7IAEeAAAAaAAAAAAAAAAAAAAAAAAAAAAAAAAAAAAAECcAABAnAAAAAAAAAAAAAAAAAAAAAAAAAAAAAAAAAAAAAAAAAAAAABQAAAAAAAAAwMD/AAAAAABkAAAAMgAAAAAAAABkAAAAAAAAAH9/fwAKAAAAIgAAABgAAAAAAAAAAAAAAAAAAAAAAAAAAAAAAAAAAAAkAAAAJAAAAAAAAAAHAAAAAAAAAAAAAAAAAAAAAAAAAAAAAAAAAAAAf39/ACUAAABYAAAAAAAAAAAAAAAAAAAAAAAAAAAAAAAAAAAAAAAAAAAAAAAAAAAAAAAAAAAAAAA/AAAAAAAAAKCGAQAAAAAAAAAAAAAAAAAMAAAAAQAAAAAAAAAAAAAAAAAAAB8AAABUAAAAAAAABQAAAAEAAAAAAAAAAAAAAAAAAAAAAAAAAAAAAAAAAAAAAAAAAAAAAAJ/f38AAAAAA8zMzADAwP8Af39/AAAAAAAAAAAAAAAAAAAAAAAAAAAAIQAAABgAAAAUAAAAwAMAALABAABARwAAuAgAABAAAAAmAAAACAAAAAAAAAAAAAAAMAAAABQAAAAAAAAAAAD//wAAAQAAAP//AAABAA=="/>
+                <pr:smNativeData xmlns:pr="smNativeData" xmlns="smNativeData" val="SMDATA_16_jeCHZxMAAAAlAAAAZAAAAA8BAAAAkAAAAEgAAACQAAAASAAAAAAAAAABAAAAAAAAAAEAAABQAAAAAAAAAAAA4D8AAAAAAADgPwAAAAAAAOA/AAAAAAAA4D8AAAAAAADgPwAAAAAAAOA/AAAAAAAA4D8AAAAAAADgPwAAAAAAAOA/AAAAAAAA4D8CAAAAjAAAAAAAAAAAAAAAu+DjDP///wgAAAAAAAAAAAAAAAAAAAAAAAAAAAAAAAAAAAAAZAAAAAEAAABAAAAAAAAAAAAAAAAAAAAAAAAAAAAAAAAAAAAAAAAAAAAAAAAAAAAAAAAAAAAAAAAAAAAAAAAAAAAAAAAAAAAAAAAAAAAAAAAAAAAAAAAAAAAAAAAAAAAAFAAAADwAAAAAAAAAAAAAAAAAAAkUAAAAAQAAABQAAAAUAAAAFAAAAAEAAAAAAAAAZAAAAGQAAAAAAAAAZAAAAGQAAAAVAAAAYAAAAAAAAAAAAAAADwAAACADAAAAAAAAAAAAAAEAAACgMgAAVgcAAKr4//8BAAAAf39/AAEAAABkAAAAAAAAABQAAABAHwAAAAAAACYAAAAAAAAAwOD//wAAAAAmAAAAZAAAABYAAABMAAAAAAAAAAAAAAAEAAAAAAAAAAEAAACAgIAKAAAAACgAAAAoAAAAZAAAAGQAAAAAAAAAzMzMAAAAAABQAAAAUAAAAGQAAABkAAAAAAAAABcAAAAUAAAAAAAAAAAAAAD/fwAA/38AAAAAAAAJAAAABAAAANw7IAEeAAAAaAAAAAAAAAAAAAAAAAAAAAAAAAAAAAAAECcAABAnAAAAAAAAAAAAAAAAAAAAAAAAAAAAAAAAAAAAAAAAAAAAABQAAAAAAAAAwMD/AAAAAABkAAAAMgAAAAAAAABkAAAAAAAAAH9/fwAKAAAAIgAAABgAAAAAAAAAAAAAAAAAAAAAAAAAAAAAAAAAAAAkAAAAJAAAAAAAAAAHAAAAAAAAAAAAAAAAAAAAAAAAAAAAAAAAAAAAf39/ACUAAABYAAAAAAAAAAAAAAAAAAAAAAAAAAAAAAAAAAAAAAAAAAAAAAAAAAAAAAAAAAAAAAA/AAAAAAAAAKCGAQAAAAAAAAAAAAAAAAAMAAAAAQAAAAAAAAAAAAAAAAAAAB8AAABUAAAAAAAABQAAAAEAAAAAAAAAAAAAAAAAAAAAAAAAAAAAAAAAAAAAAAAAAAAAAAJ/f38AAAAAA8zMzADAwP8Af39/AAAAAAAAAAAAAAAAAAAAAAAAAAAAIQAAABgAAAAUAAAAwAMAALABAABARwAAuAgAABAAAAAmAAAACAAAAAAAAAAAAAAAMAAAABQAAAAAAAAAAAD//wAAAQAAAP//AAABAA=="/>
               </a:ext>
             </a:extLst>
           </p:cNvSpPr>
@@ -1251,7 +1251,7 @@
             <a:spLocks noGrp="1" noChangeArrowheads="1"/>
             <a:extLst>
               <a:ext uri="smNativeData">
-                <pr:smNativeData xmlns:pr="smNativeData" xmlns="smNativeData" val="SMDATA_16_a8OGZxMAAAAlAAAAZAAAAA8BAAAAkAAAAEgAAACQAAAASAAAAAAAAAAAAAAAAAAAAAEAAABQAAAAAAAAAAAA4D8AAAAAAADgPwAAAAAAAOA/AAAAAAAA4D8AAAAAAADgPwAAAAAAAOA/AAAAAAAA4D8AAAAAAADgPwAAAAAAAOA/AAAAAAAA4D8CAAAAjAAAAAAAAAAAAAAAu+DjDP///wgAAAAAAAAAAAAAAAAAAAAAAAAAAAAAAAAAAAAAZAAAAAEAAABAAAAAAAAAAAAAAAAAAAAAAAAAAAAAAAAAAAAAAAAAAAAAAAAAAAAAAAAAAAAAAAAAAAAAAAAAAAAAAAAAAAAAAAAAAAAAAAAAAAAAAAAAAAAAAAAAAAAAFAAAADwAAAAAAAAAAAAAAAAAAAkUAAAAAQAAABQAAAAUAAAAFAAAAAEAAAAAAAAAZAAAAGQAAAAAAAAAZAAAAGQAAAAVAAAAYAAAAAAAAAAAAAAADwAAACADAAAAAAAAAAAAAAEAAACgMgAAVgcAAKr4//8BAAAAf39/AAEAAABkAAAAAAAAABQAAABAHwAAAAAAACYAAAAAAAAAwOD//wAAAAAmAAAAZAAAABYAAABMAAAAAAAAAAAAAAAEAAAAAAAAAAEAAACAgIAKAAAAACgAAAAoAAAAZAAAAGQAAAAAAAAAzMzMAAAAAABQAAAAUAAAAGQAAABkAAAAAAAAABcAAAAUAAAAAAAAAAAAAAD/fwAA/38AAAAAAAAJAAAABAAAANw7IAEeAAAAaAAAAAAAAAAAAAAAAAAAAAAAAAAAAAAAECcAABAnAAAAAAAAAAAAAAAAAAAAAAAAAAAAAAAAAAAAAAAAAAAAABQAAAAAAAAAwMD/AAAAAABkAAAAMgAAAAAAAABkAAAAAAAAAH9/fwAKAAAAIgAAABgAAAAAAAAAAAAAAAAAAAAAAAAAAAAAAAAAAAAkAAAAJAAAAAAAAAAHAAAAAAAAAAAAAAAAAAAAAAAAAAAAAAAAAAAAf39/ACUAAABYAAAAAAAAAAAAAAAAAAAAAAAAAAAAAAAAAAAAAAAAAAAAAAAAAAAAAAAAAAAAAAA/AAAAAAAAAKCGAQAAAAAAAAAAAAAAAAAMAAAAAQAAAAAAAAAAAAAAAAAAAB8AAABUAAAAAAAABQAAAAEAAAAAAAAAAAAAAAAAAAAAAAAAAAAAAAAAAAAAAAAAAAAAAAJ/f38AAAAAA8zMzADAwP8Af39/AAAAAAAAAAAAAAAAAAAAAAAAAAAAIQAAABgAAAAUAAAAwAMAANgJAADhJAAAsCUAABAAAAAmAAAACAAAAAGAAAAAAAAAMAAAABQAAAAAAAAAAAD//wAAAQAAAP//AAABAA=="/>
+                <pr:smNativeData xmlns:pr="smNativeData" xmlns="smNativeData" val="SMDATA_16_jeCHZxMAAAAlAAAAZAAAAA8BAAAAkAAAAEgAAACQAAAASAAAAAAAAAAAAAAAAAAAAAEAAABQAAAAAAAAAAAA4D8AAAAAAADgPwAAAAAAAOA/AAAAAAAA4D8AAAAAAADgPwAAAAAAAOA/AAAAAAAA4D8AAAAAAADgPwAAAAAAAOA/AAAAAAAA4D8CAAAAjAAAAAAAAAAAAAAAu+DjDP///wgAAAAAAAAAAAAAAAAAAAAAAAAAAAAAAAAAAAAAZAAAAAEAAABAAAAAAAAAAAAAAAAAAAAAAAAAAAAAAAAAAAAAAAAAAAAAAAAAAAAAAAAAAAAAAAAAAAAAAAAAAAAAAAAAAAAAAAAAAAAAAAAAAAAAAAAAAAAAAAAAAAAAFAAAADwAAAAAAAAAAAAAAAAAAAkUAAAAAQAAABQAAAAUAAAAFAAAAAEAAAAAAAAAZAAAAGQAAAAAAAAAZAAAAGQAAAAVAAAAYAAAAAAAAAAAAAAADwAAACADAAAAAAAAAAAAAAEAAACgMgAAVgcAAKr4//8BAAAAf39/AAEAAABkAAAAAAAAABQAAABAHwAAAAAAACYAAAAAAAAAwOD//wAAAAAmAAAAZAAAABYAAABMAAAAAAAAAAAAAAAEAAAAAAAAAAEAAACAgIAKAAAAACgAAAAoAAAAZAAAAGQAAAAAAAAAzMzMAAAAAABQAAAAUAAAAGQAAABkAAAAAAAAABcAAAAUAAAAAAAAAAAAAAD/fwAA/38AAAAAAAAJAAAABAAAANw7IAEeAAAAaAAAAAAAAAAAAAAAAAAAAAAAAAAAAAAAECcAABAnAAAAAAAAAAAAAAAAAAAAAAAAAAAAAAAAAAAAAAAAAAAAABQAAAAAAAAAwMD/AAAAAABkAAAAMgAAAAAAAABkAAAAAAAAAH9/fwAKAAAAIgAAABgAAAAAAAAAAAAAAAAAAAAAAAAAAAAAAAAAAAAkAAAAJAAAAAAAAAAHAAAAAAAAAAAAAAAAAAAAAAAAAAAAAAAAAAAAf39/ACUAAABYAAAAAAAAAAAAAAAAAAAAAAAAAAAAAAAAAAAAAAAAAAAAAAAAAAAAAAAAAAAAAAA/AAAAAAAAAKCGAQAAAAAAAAAAAAAAAAAMAAAAAQAAAAAAAAAAAAAAAAAAAB8AAABUAAAAAAAABQAAAAEAAAAAAAAAAAAAAAAAAAAAAAAAAAAAAAAAAAAAAAAAAAAAAAJ/f38AAAAAA8zMzADAwP8Af39/AAAAAAAAAAAAAAAAAAAAAAAAAAAAIQAAABgAAAAUAAAAwAMAANgJAADhJAAAsCUAABAAAAAmAAAACAAAAAGAAAAAAAAAMAAAABQAAAAAAAAAAAD//wAAAQAAAP//AAABAA=="/>
               </a:ext>
             </a:extLst>
           </p:cNvSpPr>
@@ -1335,7 +1335,7 @@
             <a:spLocks noGrp="1" noChangeArrowheads="1"/>
             <a:extLst>
               <a:ext uri="smNativeData">
-                <pr:smNativeData xmlns:pr="smNativeData" xmlns="smNativeData" val="SMDATA_16_a8OGZxMAAAAlAAAAZAAAAA8BAAAAkAAAAEgAAACQAAAASAAAAAAAAAAAAAAAAAAAAAEAAABQAAAAAAAAAAAA4D8AAAAAAADgPwAAAAAAAOA/AAAAAAAA4D8AAAAAAADgPwAAAAAAAOA/AAAAAAAA4D8AAAAAAADgPwAAAAAAAOA/AAAAAAAA4D8CAAAAjAAAAAAAAAAAAAAAu+DjDP///wgAAAAAAAAAAAAAAAAAAAAAAAAAAAAAAAAAAAAAZAAAAAEAAABAAAAAAAAAAAAAAAAAAAAAAAAAAAAAAAAAAAAAAAAAAAAAAAAAAAAAAAAAAAAAAAAAAAAAAAAAAAAAAAAAAAAAAAAAAAAAAAAAAAAAAAAAAAAAAAAAAAAAFAAAADwAAAAAAAAAAAAAAAAAAAkUAAAAAQAAABQAAAAUAAAAFAAAAAEAAAAAAAAAZAAAAGQAAAAAAAAAZAAAAGQAAAAVAAAAYAAAAAAAAAAAAAAADwAAACADAAAAAAAAAAAAAAEAAACgMgAAVgcAAKr4//8BAAAAf39/AAEAAABkAAAAAAAAABQAAABAHwAAAAAAACYAAAAAAAAAwOD//wAAAAAmAAAAZAAAABYAAABMAAAAAAAAAAAAAAAEAAAAAAAAAAEAAACAgIAKAAAAACgAAAAoAAAAZAAAAGQAAAAAAAAAzMzMAAAAAABQAAAAUAAAAGQAAABkAAAAAAAAABcAAAAUAAAAAAAAAAAAAAD/fwAA/38AAAAAAAAJAAAABAAAANw7IAEeAAAAaAAAAAAAAAAAAAAAAAAAAAAAAAAAAAAAECcAABAnAAAAAAAAAAAAAAAAAAAAAAAAAAAAAAAAAAAAAAAAAAAAABQAAAAAAAAAwMD/AAAAAABkAAAAMgAAAAAAAABkAAAAAAAAAH9/fwAKAAAAIgAAABgAAAAAAAAAAAAAAAAAAAAAAAAAAAAAAAAAAAAkAAAAJAAAAAAAAAAHAAAAAAAAAAAAAAAAAAAAAAAAAAAAAAAAAAAAf39/ACUAAABYAAAAAAAAAAAAAAAAAAAAAAAAAAAAAAAAAAAAAAAAAAAAAAAAAAAAAAAAAAAAAAA/AAAAAAAAAKCGAQAAAAAAAAAAAAAAAAAMAAAAAQAAAAAAAAAAAAAAAAAAAB8AAABUAAAAAAAABQAAAAEAAAAAAAAAAAAAAAAAAAAAAAAAAAAAAAAAAAAAAAAAAAAAAAJ/f38AAAAAA8zMzADAwP8Af39/AAAAAAAAAAAAAAAAAAAAAAAAAAAAIQAAABgAAAAUAAAAHyYAANgJAABARwAAsCUAABAAAAAmAAAACAAAAAGAAAAAAAAAMAAAABQAAAAAAAAAAAD//wAAAQAAAP//AAABAA=="/>
+                <pr:smNativeData xmlns:pr="smNativeData" xmlns="smNativeData" val="SMDATA_16_jeCHZxMAAAAlAAAAZAAAAA8BAAAAkAAAAEgAAACQAAAASAAAAAAAAAAAAAAAAAAAAAEAAABQAAAAAAAAAAAA4D8AAAAAAADgPwAAAAAAAOA/AAAAAAAA4D8AAAAAAADgPwAAAAAAAOA/AAAAAAAA4D8AAAAAAADgPwAAAAAAAOA/AAAAAAAA4D8CAAAAjAAAAAAAAAAAAAAAu+DjDP///wgAAAAAAAAAAAAAAAAAAAAAAAAAAAAAAAAAAAAAZAAAAAEAAABAAAAAAAAAAAAAAAAAAAAAAAAAAAAAAAAAAAAAAAAAAAAAAAAAAAAAAAAAAAAAAAAAAAAAAAAAAAAAAAAAAAAAAAAAAAAAAAAAAAAAAAAAAAAAAAAAAAAAFAAAADwAAAAAAAAAAAAAAAAAAAkUAAAAAQAAABQAAAAUAAAAFAAAAAEAAAAAAAAAZAAAAGQAAAAAAAAAZAAAAGQAAAAVAAAAYAAAAAAAAAAAAAAADwAAACADAAAAAAAAAAAAAAEAAACgMgAAVgcAAKr4//8BAAAAf39/AAEAAABkAAAAAAAAABQAAABAHwAAAAAAACYAAAAAAAAAwOD//wAAAAAmAAAAZAAAABYAAABMAAAAAAAAAAAAAAAEAAAAAAAAAAEAAACAgIAKAAAAACgAAAAoAAAAZAAAAGQAAAAAAAAAzMzMAAAAAABQAAAAUAAAAGQAAABkAAAAAAAAABcAAAAUAAAAAAAAAAAAAAD/fwAA/38AAAAAAAAJAAAABAAAANw7IAEeAAAAaAAAAAAAAAAAAAAAAAAAAAAAAAAAAAAAECcAABAnAAAAAAAAAAAAAAAAAAAAAAAAAAAAAAAAAAAAAAAAAAAAABQAAAAAAAAAwMD/AAAAAABkAAAAMgAAAAAAAABkAAAAAAAAAH9/fwAKAAAAIgAAABgAAAAAAAAAAAAAAAAAAAAAAAAAAAAAAAAAAAAkAAAAJAAAAAAAAAAHAAAAAAAAAAAAAAAAAAAAAAAAAAAAAAAAAAAAf39/ACUAAABYAAAAAAAAAAAAAAAAAAAAAAAAAAAAAAAAAAAAAAAAAAAAAAAAAAAAAAAAAAAAAAA/AAAAAAAAAKCGAQAAAAAAAAAAAAAAAAAMAAAAAQAAAAAAAAAAAAAAAAAAAB8AAABUAAAAAAAABQAAAAEAAAAAAAAAAAAAAAAAAAAAAAAAAAAAAAAAAAAAAAAAAAAAAAJ/f38AAAAAA8zMzADAwP8Af39/AAAAAAAAAAAAAAAAAAAAAAAAAAAAIQAAABgAAAAUAAAAHyYAANgJAABARwAAsCUAABAAAAAmAAAACAAAAAGAAAAAAAAAMAAAABQAAAAAAAAAAAD//wAAAQAAAP//AAABAA=="/>
               </a:ext>
             </a:extLst>
           </p:cNvSpPr>
@@ -1419,7 +1419,7 @@
             <a:spLocks noGrp="1" noChangeArrowheads="1"/>
             <a:extLst>
               <a:ext uri="smNativeData">
-                <pr:smNativeData xmlns:pr="smNativeData" xmlns="smNativeData" val="SMDATA_16_a8OGZxMAAAAlAAAAZAAAAA8BAAAAkAAAAEgAAACQAAAASAAAAAAAAAABAAAAAAAAAAEAAABQAAAAAAAAAAAA4D8AAAAAAADgPwAAAAAAAOA/AAAAAAAA4D8AAAAAAADgPwAAAAAAAOA/AAAAAAAA4D8AAAAAAADgPwAAAAAAAOA/AAAAAAAA4D8CAAAAjAAAAAAAAAAAAAAAu+DjDP///wgAAAAAAAAAAAAAAAAAAAAAAAAAAAAAAAAAAAAAZAAAAAEAAABAAAAAAAAAAAAAAAAAAAAAAAAAAAAAAAAAAAAAAAAAAAAAAAAAAAAAAAAAAAAAAAAAAAAAAAAAAAAAAAAAAAAAAAAAAAAAAAAAAAAAAAAAAAAAAAAAAAAAFAAAADwAAAAAAAAAAAAAAAAAAAkUAAAAAQAAABQAAAAUAAAAFAAAAAEAAAAAAAAAZAAAAGQAAAAAAAAAZAAAAGQAAAAVAAAAYAAAAAAAAAAAAAAADwAAACADAAAAAAAAAAAAAAEAAACgMgAAVgcAAKr4//8BAAAAf39/AAEAAABkAAAAAAAAABQAAABAHwAAAAAAACYAAAAAAAAAwOD//wAAAAAmAAAAZAAAABYAAABMAAAAAAAAAAAAAAAEAAAAAAAAAAEAAACAgIAKAAAAACgAAAAoAAAAZAAAAGQAAAAAAAAAzMzMAAAAAABQAAAAUAAAAGQAAABkAAAAAAAAABcAAAAUAAAAAAAAAAAAAAD/fwAA/38AAAAAAAAJAAAABAAAANw7IAEeAAAAaAAAAAAAAAAAAAAAAAAAAAAAAAAAAAAAECcAABAnAAAAAAAAAAAAAAAAAAAAAAAAAAAAAAAAAAAAAAAAAAAAABQAAAAAAAAAwMD/AAAAAABkAAAAMgAAAAAAAABkAAAAAAAAAH9/fwAKAAAAIgAAABgAAAAAAAAAAAAAAAAAAAAAAAAAAAAAAAAAAAAkAAAAJAAAAAAAAAAHAAAAAAAAAAAAAAAAAAAAAAAAAAAAAAAAAAAAf39/ACUAAABYAAAAAAAAAAAAAAAAAAAAAAAAAAAAAAAAAAAAAAAAAAAAAAAAAAAAAAAAAAAAAAA/AAAAAAAAAKCGAQAAAAAAAAAAAAAAAAAMAAAAAQAAAAAAAAAAAAAAAAAAAB8AAABUAAAAAAAABQAAAAEAAAAAAAAAAAAAAAAAAAAAAAAAAAAAAAAAAAAAAAAAAAAAAAJ/f38AAAAAA8zMzADAwP8Af39/AAAAAAAAAAAAAAAAAAAAAAAAAAAAIQAAABgAAAAUAAAAwAMAABsnAAA/FQAAWSkAABAAAAAmAAAACAAAAAAAAAAAAAAAMAAAABQAAAAAAAAAAAD//wAAAQAAAP//AAABAA=="/>
+                <pr:smNativeData xmlns:pr="smNativeData" xmlns="smNativeData" val="SMDATA_16_jeCHZxMAAAAlAAAAZAAAAA8BAAAAkAAAAEgAAACQAAAASAAAAAAAAAABAAAAAAAAAAEAAABQAAAAAAAAAAAA4D8AAAAAAADgPwAAAAAAAOA/AAAAAAAA4D8AAAAAAADgPwAAAAAAAOA/AAAAAAAA4D8AAAAAAADgPwAAAAAAAOA/AAAAAAAA4D8CAAAAjAAAAAAAAAAAAAAAu+DjDP///wgAAAAAAAAAAAAAAAAAAAAAAAAAAAAAAAAAAAAAZAAAAAEAAABAAAAAAAAAAAAAAAAAAAAAAAAAAAAAAAAAAAAAAAAAAAAAAAAAAAAAAAAAAAAAAAAAAAAAAAAAAAAAAAAAAAAAAAAAAAAAAAAAAAAAAAAAAAAAAAAAAAAAFAAAADwAAAAAAAAAAAAAAAAAAAkUAAAAAQAAABQAAAAUAAAAFAAAAAEAAAAAAAAAZAAAAGQAAAAAAAAAZAAAAGQAAAAVAAAAYAAAAAAAAAAAAAAADwAAACADAAAAAAAAAAAAAAEAAACgMgAAVgcAAKr4//8BAAAAf39/AAEAAABkAAAAAAAAABQAAABAHwAAAAAAACYAAAAAAAAAwOD//wAAAAAmAAAAZAAAABYAAABMAAAAAAAAAAAAAAAEAAAAAAAAAAEAAACAgIAKAAAAACgAAAAoAAAAZAAAAGQAAAAAAAAAzMzMAAAAAABQAAAAUAAAAGQAAABkAAAAAAAAABcAAAAUAAAAAAAAAAAAAAD/fwAA/38AAAAAAAAJAAAABAAAANw7IAEeAAAAaAAAAAAAAAAAAAAAAAAAAAAAAAAAAAAAECcAABAnAAAAAAAAAAAAAAAAAAAAAAAAAAAAAAAAAAAAAAAAAAAAABQAAAAAAAAAwMD/AAAAAABkAAAAMgAAAAAAAABkAAAAAAAAAH9/fwAKAAAAIgAAABgAAAAAAAAAAAAAAAAAAAAAAAAAAAAAAAAAAAAkAAAAJAAAAAAAAAAHAAAAAAAAAAAAAAAAAAAAAAAAAAAAAAAAAAAAf39/ACUAAABYAAAAAAAAAAAAAAAAAAAAAAAAAAAAAAAAAAAAAAAAAAAAAAAAAAAAAAAAAAAAAAA/AAAAAAAAAKCGAQAAAAAAAAAAAAAAAAAMAAAAAQAAAAAAAAAAAAAAAAAAAB8AAABUAAAAAAAABQAAAAEAAAAAAAAAAAAAAAAAAAAAAAAAAAAAAAAAAAAAAAAAAAAAAAJ/f38AAAAAA8zMzADAwP8Af39/AAAAAAAAAAAAAAAAAAAAAAAAAAAAIQAAABgAAAAUAAAAwAMAABsnAAA/FQAAWSkAABAAAAAmAAAACAAAAAAAAAAAAAAAMAAAABQAAAAAAAAAAAD//wAAAQAAAP//AAABAA=="/>
               </a:ext>
             </a:extLst>
           </p:cNvSpPr>
@@ -1433,7 +1433,7 @@
           <a:lstStyle/>
           <a:p>
             <a:pPr/>
-            <a:fld id="{3C72AA3F-71D1-275C-9FCA-8709E48469D2}" type="datetime1">
+            <a:fld id="{3D25F5D7-99D0-7003-9E9D-6F56BBD3683A}" type="datetime1">
               <a:t/>
             </a:fld>
           </a:p>
@@ -1446,7 +1446,7 @@
             <a:spLocks noGrp="1" noChangeArrowheads="1"/>
             <a:extLst>
               <a:ext uri="smNativeData">
-                <pr:smNativeData xmlns:pr="smNativeData" xmlns="smNativeData" val="SMDATA_16_a8OGZxMAAAAlAAAAZAAAAA8BAAAAkAAAAEgAAACQAAAASAAAAAAAAAABAAAAAAAAAAEAAABQAAAAAAAAAAAA4D8AAAAAAADgPwAAAAAAAOA/AAAAAAAA4D8AAAAAAADgPwAAAAAAAOA/AAAAAAAA4D8AAAAAAADgPwAAAAAAAOA/AAAAAAAA4D8CAAAAjAAAAAAAAAAAAAAAu+DjDP///wgAAAAAAAAAAAAAAAAAAAAAAAAAAAAAAAAAAAAAZAAAAAEAAABAAAAAAAAAAAAAAAAAAAAAAAAAAAAAAAAAAAAAAAAAAAAAAAAAAAAAAAAAAAAAAAAAAAAAAAAAAAAAAAAAAAAAAAAAAAAAAAAAAAAAAAAAAAAAAAAAAAAAFAAAADwAAAAAAAAAAAAAAAAAAAkUAAAAAQAAABQAAAAUAAAAFAAAAAEAAAAAAAAAZAAAAGQAAAAAAAAAZAAAAGQAAAAVAAAAYAAAAAAAAAAAAAAADwAAACADAAAAAAAAAAAAAAEAAACgMgAAVgcAAKr4//8BAAAAf39/AAEAAABkAAAAAAAAABQAAABAHwAAAAAAACYAAAAAAAAAwOD//wAAAAAmAAAAZAAAABYAAABMAAAAAAAAAAAAAAAEAAAAAAAAAAEAAACAgIAKAAAAACgAAAAoAAAAZAAAAGQAAAAAAAAAzMzMAAAAAABQAAAAUAAAAGQAAABkAAAAAAAAABcAAAAUAAAAAAAAAAAAAAD/fwAA/38AAAAAAAAJAAAABAAAANw7IAEeAAAAaAAAAAAAAAAAAAAAAAAAAAAAAAAAAAAAECcAABAnAAAAAAAAAAAAAAAAAAAAAAAAAAAAAAAAAAAAAAAAAAAAABQAAAAAAAAAwMD/AAAAAABkAAAAMgAAAAAAAABkAAAAAAAAAH9/fwAKAAAAIgAAABgAAAAAAAAAAAAAAAAAAAAAAAAAAAAAAAAAAAAkAAAAJAAAAAAAAAAHAAAAAAAAAAAAAAAAAAAAAAAAAAAAAAAAAAAAf39/ACUAAABYAAAAAAAAAAAAAAAAAAAAAAAAAAAAAAAAAAAAAAAAAAAAAAAAAAAAAAAAAAAAAAA/AAAAAAAAAKCGAQAAAAAAAAAAAAAAAAAMAAAAAQAAAAAAAAAAAAAAAAAAAB8AAABUAAAAAAAABQAAAAEAAAAAAAAAAAAAAAAAAAAAAAAAAAAAAAAAAAAAAAAAAAAAAAJ/f38AAAAAA8zMzADAwP8Af39/AAAAAAAAAAAAAAAAAAAAAAAAAAAAIQAAABgAAAAUAAAAoRkAABsnAABfMQAAWSkAABAAAAAmAAAACAAAAAAAAAAAAAAAMAAAABQAAAAAAAAAAAD//wAAAQAAAP//AAABAA=="/>
+                <pr:smNativeData xmlns:pr="smNativeData" xmlns="smNativeData" val="SMDATA_16_jeCHZxMAAAAlAAAAZAAAAA8BAAAAkAAAAEgAAACQAAAASAAAAAAAAAABAAAAAAAAAAEAAABQAAAAAAAAAAAA4D8AAAAAAADgPwAAAAAAAOA/AAAAAAAA4D8AAAAAAADgPwAAAAAAAOA/AAAAAAAA4D8AAAAAAADgPwAAAAAAAOA/AAAAAAAA4D8CAAAAjAAAAAAAAAAAAAAAu+DjDP///wgAAAAAAAAAAAAAAAAAAAAAAAAAAAAAAAAAAAAAZAAAAAEAAABAAAAAAAAAAAAAAAAAAAAAAAAAAAAAAAAAAAAAAAAAAAAAAAAAAAAAAAAAAAAAAAAAAAAAAAAAAAAAAAAAAAAAAAAAAAAAAAAAAAAAAAAAAAAAAAAAAAAAFAAAADwAAAAAAAAAAAAAAAAAAAkUAAAAAQAAABQAAAAUAAAAFAAAAAEAAAAAAAAAZAAAAGQAAAAAAAAAZAAAAGQAAAAVAAAAYAAAAAAAAAAAAAAADwAAACADAAAAAAAAAAAAAAEAAACgMgAAVgcAAKr4//8BAAAAf39/AAEAAABkAAAAAAAAABQAAABAHwAAAAAAACYAAAAAAAAAwOD//wAAAAAmAAAAZAAAABYAAABMAAAAAAAAAAAAAAAEAAAAAAAAAAEAAACAgIAKAAAAACgAAAAoAAAAZAAAAGQAAAAAAAAAzMzMAAAAAABQAAAAUAAAAGQAAABkAAAAAAAAABcAAAAUAAAAAAAAAAAAAAD/fwAA/38AAAAAAAAJAAAABAAAANw7IAEeAAAAaAAAAAAAAAAAAAAAAAAAAAAAAAAAAAAAECcAABAnAAAAAAAAAAAAAAAAAAAAAAAAAAAAAAAAAAAAAAAAAAAAABQAAAAAAAAAwMD/AAAAAABkAAAAMgAAAAAAAABkAAAAAAAAAH9/fwAKAAAAIgAAABgAAAAAAAAAAAAAAAAAAAAAAAAAAAAAAAAAAAAkAAAAJAAAAAAAAAAHAAAAAAAAAAAAAAAAAAAAAAAAAAAAAAAAAAAAf39/ACUAAABYAAAAAAAAAAAAAAAAAAAAAAAAAAAAAAAAAAAAAAAAAAAAAAAAAAAAAAAAAAAAAAA/AAAAAAAAAKCGAQAAAAAAAAAAAAAAAAAMAAAAAQAAAAAAAAAAAAAAAAAAAB8AAABUAAAAAAAABQAAAAEAAAAAAAAAAAAAAAAAAAAAAAAAAAAAAAAAAAAAAAAAAAAAAAJ/f38AAAAAA8zMzADAwP8Af39/AAAAAAAAAAAAAAAAAAAAAAAAAAAAIQAAABgAAAAUAAAAoRkAABsnAABfMQAAWSkAABAAAAAmAAAACAAAAAAAAAAAAAAAMAAAABQAAAAAAAAAAAD//wAAAQAAAP//AAABAA=="/>
               </a:ext>
             </a:extLst>
           </p:cNvSpPr>
@@ -1470,7 +1470,7 @@
             <a:spLocks noGrp="1" noChangeArrowheads="1"/>
             <a:extLst>
               <a:ext uri="smNativeData">
-                <pr:smNativeData xmlns:pr="smNativeData" xmlns="smNativeData" val="SMDATA_16_a8OGZxMAAAAlAAAAZAAAAA8BAAAAkAAAAEgAAACQAAAASAAAAAAAAAABAAAAAAAAAAEAAABQAAAAAAAAAAAA4D8AAAAAAADgPwAAAAAAAOA/AAAAAAAA4D8AAAAAAADgPwAAAAAAAOA/AAAAAAAA4D8AAAAAAADgPwAAAAAAAOA/AAAAAAAA4D8CAAAAjAAAAAAAAAAAAAAAu+DjDP///wgAAAAAAAAAAAAAAAAAAAAAAAAAAAAAAAAAAAAAZAAAAAEAAABAAAAAAAAAAAAAAAAAAAAAAAAAAAAAAAAAAAAAAAAAAAAAAAAAAAAAAAAAAAAAAAAAAAAAAAAAAAAAAAAAAAAAAAAAAAAAAAAAAAAAAAAAAAAAAAAAAAAAFAAAADwAAAAAAAAAAAAAAAAAAAkUAAAAAQAAABQAAAAUAAAAFAAAAAEAAAAAAAAAZAAAAGQAAAAAAAAAZAAAAGQAAAAVAAAAYAAAAAAAAAAAAAAADwAAACADAAAAAAAAAAAAAAEAAACgMgAAVgcAAKr4//8BAAAAf39/AAEAAABkAAAAAAAAABQAAABAHwAAAAAAACYAAAAAAAAAwOD//wAAAAAmAAAAZAAAABYAAABMAAAAAAAAAAAAAAAEAAAAAAAAAAEAAACAgIAKAAAAACgAAAAoAAAAZAAAAGQAAAAAAAAAzMzMAAAAAABQAAAAUAAAAGQAAABkAAAAAAAAABcAAAAUAAAAAAAAAAAAAAD/fwAA/38AAAAAAAAJAAAABAAAANw7IAEeAAAAaAAAAAAAAAAAAAAAAAAAAAAAAAAAAAAAECcAABAnAAAAAAAAAAAAAAAAAAAAAAAAAAAAAAAAAAAAAAAAAAAAABQAAAAAAAAAwMD/AAAAAABkAAAAMgAAAAAAAABkAAAAAAAAAH9/fwAKAAAAIgAAABgAAAAAAAAAAAAAAAAAAAAAAAAAAAAAAAAAAAAkAAAAJAAAAAAAAAAHAAAAAAAAAAAAAAAAAAAAAAAAAAAAAAAAAAAAf39/ACUAAABYAAAAAAAAAAAAAAAAAAAAAAAAAAAAAAAAAAAAAAAAAAAAAAAAAAAAAAAAAAAAAAA/AAAAAAAAAKCGAQAAAAAAAAAAAAAAAAAMAAAAAQAAAAAAAAAAAAAAAAAAAB8AAABUAAAAAAAABQAAAAEAAAAAAAAAAAAAAAAAAAAAAAAAAAAAAAAAAAAAAAAAAAAAAAJ/f38AAAAAA8zMzADAwP8Af39/AAAAAAAAAAAAAAAAAAAAAAAAAAAAIQAAABgAAAAUAAAAwTUAABsnAABARwAAWSkAABAAAAAmAAAACAAAAAAAAAAAAAAAMAAAABQAAAAAAAAAAAD//wAAAQAAAP//AAABAA=="/>
+                <pr:smNativeData xmlns:pr="smNativeData" xmlns="smNativeData" val="SMDATA_16_jeCHZxMAAAAlAAAAZAAAAA8BAAAAkAAAAEgAAACQAAAASAAAAAAAAAABAAAAAAAAAAEAAABQAAAAAAAAAAAA4D8AAAAAAADgPwAAAAAAAOA/AAAAAAAA4D8AAAAAAADgPwAAAAAAAOA/AAAAAAAA4D8AAAAAAADgPwAAAAAAAOA/AAAAAAAA4D8CAAAAjAAAAAAAAAAAAAAAu+DjDP///wgAAAAAAAAAAAAAAAAAAAAAAAAAAAAAAAAAAAAAZAAAAAEAAABAAAAAAAAAAAAAAAAAAAAAAAAAAAAAAAAAAAAAAAAAAAAAAAAAAAAAAAAAAAAAAAAAAAAAAAAAAAAAAAAAAAAAAAAAAAAAAAAAAAAAAAAAAAAAAAAAAAAAFAAAADwAAAAAAAAAAAAAAAAAAAkUAAAAAQAAABQAAAAUAAAAFAAAAAEAAAAAAAAAZAAAAGQAAAAAAAAAZAAAAGQAAAAVAAAAYAAAAAAAAAAAAAAADwAAACADAAAAAAAAAAAAAAEAAACgMgAAVgcAAKr4//8BAAAAf39/AAEAAABkAAAAAAAAABQAAABAHwAAAAAAACYAAAAAAAAAwOD//wAAAAAmAAAAZAAAABYAAABMAAAAAAAAAAAAAAAEAAAAAAAAAAEAAACAgIAKAAAAACgAAAAoAAAAZAAAAGQAAAAAAAAAzMzMAAAAAABQAAAAUAAAAGQAAABkAAAAAAAAABcAAAAUAAAAAAAAAAAAAAD/fwAA/38AAAAAAAAJAAAABAAAANw7IAEeAAAAaAAAAAAAAAAAAAAAAAAAAAAAAAAAAAAAECcAABAnAAAAAAAAAAAAAAAAAAAAAAAAAAAAAAAAAAAAAAAAAAAAABQAAAAAAAAAwMD/AAAAAABkAAAAMgAAAAAAAABkAAAAAAAAAH9/fwAKAAAAIgAAABgAAAAAAAAAAAAAAAAAAAAAAAAAAAAAAAAAAAAkAAAAJAAAAAAAAAAHAAAAAAAAAAAAAAAAAAAAAAAAAAAAAAAAAAAAf39/ACUAAABYAAAAAAAAAAAAAAAAAAAAAAAAAAAAAAAAAAAAAAAAAAAAAAAAAAAAAAAAAAAAAAA/AAAAAAAAAKCGAQAAAAAAAAAAAAAAAAAMAAAAAQAAAAAAAAAAAAAAAAAAAB8AAABUAAAAAAAABQAAAAEAAAAAAAAAAAAAAAAAAAAAAAAAAAAAAAAAAAAAAAAAAAAAAAJ/f38AAAAAA8zMzADAwP8Af39/AAAAAAAAAAAAAAAAAAAAAAAAAAAAIQAAABgAAAAUAAAAwTUAABsnAABARwAAWSkAABAAAAAmAAAACAAAAAAAAAAAAAAAMAAAABQAAAAAAAAAAAD//wAAAQAAAP//AAABAA=="/>
               </a:ext>
             </a:extLst>
           </p:cNvSpPr>
@@ -1484,7 +1484,7 @@
           <a:lstStyle/>
           <a:p>
             <a:pPr/>
-            <a:fld id="{3C72F9EB-A5D1-270F-9FCA-535AB7846906}" type="slidenum">
+            <a:fld id="{3D258D83-CDD0-707B-9E9D-3B2EC3D3686E}" type="slidenum">
               <a:t/>
             </a:fld>
           </a:p>
@@ -1523,7 +1523,7 @@
             <a:spLocks noGrp="1" noChangeArrowheads="1"/>
             <a:extLst>
               <a:ext uri="smNativeData">
-                <pr:smNativeData xmlns:pr="smNativeData" xmlns="smNativeData" val="SMDATA_16_a8OGZxMAAAAlAAAAZAAAAA8BAAAAkAAAAEgAAACQAAAASAAAAAAAAAABAAAAAAAAAAEAAABQAAAAAAAAAAAA4D8AAAAAAADgPwAAAAAAAOA/AAAAAAAA4D8AAAAAAADgPwAAAAAAAOA/AAAAAAAA4D8AAAAAAADgPwAAAAAAAOA/AAAAAAAA4D8CAAAAjAAAAAAAAAAAAAAAu+DjDP///wgAAAAAAAAAAAAAAAAAAAAAAAAAAAAAAAAAAAAAZAAAAAEAAABAAAAAAAAAAAAAAAAAAAAAAAAAAAAAAAAAAAAAAAAAAAAAAAAAAAAAAAAAAAAAAAAAAAAAAAAAAAAAAAAAAAAAAAAAAAAAAAAAAAAAAAAAAAAAAAAAAAAAFAAAADwAAAAAAAAAAAAAAAAAAAkUAAAAAQAAABQAAAAUAAAAFAAAAAEAAAAAAAAAZAAAAGQAAAAAAAAAZAAAAGQAAAAVAAAAYAAAAAAAAAAAAAAADwAAACADAAAAAAAAAAAAAAEAAACgMgAAVgcAAKr4//8BAAAAf39/AAEAAABkAAAAAAAAABQAAABAHwAAAAAAACYAAAAAAAAAwOD//wAAAAAmAAAAZAAAABYAAABMAAAAAAAAAAAAAAAEAAAAAAAAAAEAAACAgIAKAAAAACgAAAAoAAAAZAAAAGQAAAAAAAAAzMzMAAAAAABQAAAAUAAAAGQAAABkAAAAAAAAABcAAAAUAAAAAAAAAAAAAAD/fwAA/38AAAAAAAAJAAAABAAAANw7IAEeAAAAaAAAAAAAAAAAAAAAAAAAAAAAAAAAAAAAECcAABAnAAAAAAAAAAAAAAAAAAAAAAAAAAAAAAAAAAAAAAAAAAAAABQAAAAAAAAAwMD/AAAAAABkAAAAMgAAAAAAAABkAAAAAAAAAH9/fwAKAAAAIgAAABgAAAAAAAAAAAAAAAAAAAAAAAAAAAAAAAAAAAAkAAAAJAAAAAAAAAAHAAAAAAAAAAAAAAAAAAAAAAAAAAAAAAAAAAAAf39/ACUAAABYAAAAAAAAAAAAAAAAAAAAAAAAAAAAAAAAAAAAAAAAAAAAAAAAAAAAAAAAAAAAAAA/AAAAAAAAAKCGAQAAAAAAAAAAAAAAAAAMAAAAAQAAAAAAAAAAAAAAAAAAAB8AAABUAAAAAAAABQAAAAEAAAAAAAAAAAAAAAAAAAAAAAAAAAAAAAAAAAAAAAAAAAAAAAJ/f38AAAAAA8zMzADAwP8Af39/AAAAAAAAAAAAAAAAAAAAAAAAAAAAIQAAABgAAAAUAAAAwAMAALABAABARwAAuAgAABAAAAAmAAAACAAAAAAAAAAAAAAAMAAAABQAAAAAAAAAAAD//wAAAQAAAP//AAABAA=="/>
+                <pr:smNativeData xmlns:pr="smNativeData" xmlns="smNativeData" val="SMDATA_16_jeCHZxMAAAAlAAAAZAAAAA8BAAAAkAAAAEgAAACQAAAASAAAAAAAAAABAAAAAAAAAAEAAABQAAAAAAAAAAAA4D8AAAAAAADgPwAAAAAAAOA/AAAAAAAA4D8AAAAAAADgPwAAAAAAAOA/AAAAAAAA4D8AAAAAAADgPwAAAAAAAOA/AAAAAAAA4D8CAAAAjAAAAAAAAAAAAAAAu+DjDP///wgAAAAAAAAAAAAAAAAAAAAAAAAAAAAAAAAAAAAAZAAAAAEAAABAAAAAAAAAAAAAAAAAAAAAAAAAAAAAAAAAAAAAAAAAAAAAAAAAAAAAAAAAAAAAAAAAAAAAAAAAAAAAAAAAAAAAAAAAAAAAAAAAAAAAAAAAAAAAAAAAAAAAFAAAADwAAAAAAAAAAAAAAAAAAAkUAAAAAQAAABQAAAAUAAAAFAAAAAEAAAAAAAAAZAAAAGQAAAAAAAAAZAAAAGQAAAAVAAAAYAAAAAAAAAAAAAAADwAAACADAAAAAAAAAAAAAAEAAACgMgAAVgcAAKr4//8BAAAAf39/AAEAAABkAAAAAAAAABQAAABAHwAAAAAAACYAAAAAAAAAwOD//wAAAAAmAAAAZAAAABYAAABMAAAAAAAAAAAAAAAEAAAAAAAAAAEAAACAgIAKAAAAACgAAAAoAAAAZAAAAGQAAAAAAAAAzMzMAAAAAABQAAAAUAAAAGQAAABkAAAAAAAAABcAAAAUAAAAAAAAAAAAAAD/fwAA/38AAAAAAAAJAAAABAAAANw7IAEeAAAAaAAAAAAAAAAAAAAAAAAAAAAAAAAAAAAAECcAABAnAAAAAAAAAAAAAAAAAAAAAAAAAAAAAAAAAAAAAAAAAAAAABQAAAAAAAAAwMD/AAAAAABkAAAAMgAAAAAAAABkAAAAAAAAAH9/fwAKAAAAIgAAABgAAAAAAAAAAAAAAAAAAAAAAAAAAAAAAAAAAAAkAAAAJAAAAAAAAAAHAAAAAAAAAAAAAAAAAAAAAAAAAAAAAAAAAAAAf39/ACUAAABYAAAAAAAAAAAAAAAAAAAAAAAAAAAAAAAAAAAAAAAAAAAAAAAAAAAAAAAAAAAAAAA/AAAAAAAAAKCGAQAAAAAAAAAAAAAAAAAMAAAAAQAAAAAAAAAAAAAAAAAAAB8AAABUAAAAAAAABQAAAAEAAAAAAAAAAAAAAAAAAAAAAAAAAAAAAAAAAAAAAAAAAAAAAAJ/f38AAAAAA8zMzADAwP8Af39/AAAAAAAAAAAAAAAAAAAAAAAAAAAAIQAAABgAAAAUAAAAwAMAALABAABARwAAuAgAABAAAAAmAAAACAAAAAAAAAAAAAAAMAAAABQAAAAAAAAAAAD//wAAAQAAAP//AAABAA=="/>
               </a:ext>
             </a:extLst>
           </p:cNvSpPr>
@@ -1550,7 +1550,7 @@
             <a:spLocks noGrp="1" noChangeArrowheads="1"/>
             <a:extLst>
               <a:ext uri="smNativeData">
-                <pr:smNativeData xmlns:pr="smNativeData" xmlns="smNativeData" val="SMDATA_16_a8OGZxMAAAAlAAAAZAAAAA8BAAAAkAAAAEgAAACQAAAASAAAAAAAAAACAAAAAAAAAAEAAABQAAAAAAAAAAAA4D8AAAAAAADgPwAAAAAAAOA/AAAAAAAA4D8AAAAAAADgPwAAAAAAAOA/AAAAAAAA4D8AAAAAAADgPwAAAAAAAOA/AAAAAAAA4D8CAAAAjAAAAAAAAAAAAAAAu+DjDP///wgAAAAAAAAAAAAAAAAAAAAAAAAAAAAAAAAAAAAAZAAAAAEAAABAAAAAAAAAAAAAAAAAAAAAAAAAAAAAAAAAAAAAAAAAAAAAAAAAAAAAAAAAAAAAAAAAAAAAAAAAAAAAAAAAAAAAAAAAAAAAAAAAAAAAAAAAAAAAAAAAAAAAFAAAADwAAAAAAAAAAAAAAAAAAAkUAAAAAQAAABQAAAAUAAAAFAAAAAEAAAAAAAAAZAAAAGQAAAAAAAAAZAAAAGQAAAAVAAAAYAAAAAAAAAAAAAAADwAAACADAAAAAAAAAAAAAAEAAACgMgAAVgcAAKr4//8BAAAAf39/AAEAAABkAAAAAAAAABQAAABAHwAAAAAAACYAAAAAAAAAwOD//wAAAAAmAAAAZAAAABYAAABMAAAAAAAAAAAAAAAEAAAAAAAAAAEAAACAgIAKAAAAACgAAAAoAAAAZAAAAGQAAAAAAAAAzMzMAAAAAABQAAAAUAAAAGQAAABkAAAAAAAAABcAAAAUAAAAAAAAAAAAAAD/fwAA/38AAAAAAAAJAAAABAAAANw7IAEeAAAAaAAAAAAAAAAAAAAAAAAAAAAAAAAAAAAAECcAABAnAAAAAAAAAAAAAAAAAAAAAAAAAAAAAAAAAAAAAAAAAAAAABQAAAAAAAAAwMD/AAAAAABkAAAAMgAAAAAAAABkAAAAAAAAAH9/fwAKAAAAIgAAABgAAAAAAAAAAAAAAAAAAAAAAAAAAAAAAAAAAAAkAAAAJAAAAAAAAAAHAAAAAAAAAAAAAAAAAAAAAAAAAAAAAAAAAAAAf39/ACUAAABYAAAAAAAAAAAAAAAAAAAAAAAAAAAAAAAAAAAAAAAAAAAAAAAAAAAAAAAAAAAAAAA/AAAAAAAAAKCGAQAAAAAAAAAAAAAAAAAMAAAAAQAAAAAAAAAAAAAAAAAAAB8AAABUAAAAAAAABQAAAAEAAAAAAAAAAAAAAAAAAAAAAAAAAAAAAAAAAAAAAAAAAAAAAAJ/f38AAAAAA8zMzADAwP8Af39/AAAAAAAAAAAAAAAAAAAAAAAAAAAAIQAAABgAAAAUAAAAwAMAAHEJAADjJAAAYQ0AABAAAAAmAAAACAAAAIGAAAAAAAAAMAAAABQAAAAAAAAAAAD//wAAAQAAAP//AAABAA=="/>
+                <pr:smNativeData xmlns:pr="smNativeData" xmlns="smNativeData" val="SMDATA_16_jeCHZxMAAAAlAAAAZAAAAA8BAAAAkAAAAEgAAACQAAAASAAAAAAAAAACAAAAAAAAAAEAAABQAAAAAAAAAAAA4D8AAAAAAADgPwAAAAAAAOA/AAAAAAAA4D8AAAAAAADgPwAAAAAAAOA/AAAAAAAA4D8AAAAAAADgPwAAAAAAAOA/AAAAAAAA4D8CAAAAjAAAAAAAAAAAAAAAu+DjDP///wgAAAAAAAAAAAAAAAAAAAAAAAAAAAAAAAAAAAAAZAAAAAEAAABAAAAAAAAAAAAAAAAAAAAAAAAAAAAAAAAAAAAAAAAAAAAAAAAAAAAAAAAAAAAAAAAAAAAAAAAAAAAAAAAAAAAAAAAAAAAAAAAAAAAAAAAAAAAAAAAAAAAAFAAAADwAAAAAAAAAAAAAAAAAAAkUAAAAAQAAABQAAAAUAAAAFAAAAAEAAAAAAAAAZAAAAGQAAAAAAAAAZAAAAGQAAAAVAAAAYAAAAAAAAAAAAAAADwAAACADAAAAAAAAAAAAAAEAAACgMgAAVgcAAKr4//8BAAAAf39/AAEAAABkAAAAAAAAABQAAABAHwAAAAAAACYAAAAAAAAAwOD//wAAAAAmAAAAZAAAABYAAABMAAAAAAAAAAAAAAAEAAAAAAAAAAEAAACAgIAKAAAAACgAAAAoAAAAZAAAAGQAAAAAAAAAzMzMAAAAAABQAAAAUAAAAGQAAABkAAAAAAAAABcAAAAUAAAAAAAAAAAAAAD/fwAA/38AAAAAAAAJAAAABAAAANw7IAEeAAAAaAAAAAAAAAAAAAAAAAAAAAAAAAAAAAAAECcAABAnAAAAAAAAAAAAAAAAAAAAAAAAAAAAAAAAAAAAAAAAAAAAABQAAAAAAAAAwMD/AAAAAABkAAAAMgAAAAAAAABkAAAAAAAAAH9/fwAKAAAAIgAAABgAAAAAAAAAAAAAAAAAAAAAAAAAAAAAAAAAAAAkAAAAJAAAAAAAAAAHAAAAAAAAAAAAAAAAAAAAAAAAAAAAAAAAAAAAf39/ACUAAABYAAAAAAAAAAAAAAAAAAAAAAAAAAAAAAAAAAAAAAAAAAAAAAAAAAAAAAAAAAAAAAA/AAAAAAAAAKCGAQAAAAAAAAAAAAAAAAAMAAAAAQAAAAAAAAAAAAAAAAAAAB8AAABUAAAAAAAABQAAAAEAAAAAAAAAAAAAAAAAAAAAAAAAAAAAAAAAAAAAAAAAAAAAAAJ/f38AAAAAA8zMzADAwP8Af39/AAAAAAAAAAAAAAAAAAAAAAAAAAAAIQAAABgAAAAUAAAAwAMAAHEJAADjJAAAYQ0AABAAAAAmAAAACAAAAIGAAAAAAAAAMAAAABQAAAAAAAAAAAD//wAAAQAAAP//AAABAA=="/>
               </a:ext>
             </a:extLst>
           </p:cNvSpPr>
@@ -1623,7 +1623,7 @@
             <a:spLocks noGrp="1" noChangeArrowheads="1"/>
             <a:extLst>
               <a:ext uri="smNativeData">
-                <pr:smNativeData xmlns:pr="smNativeData" xmlns="smNativeData" val="SMDATA_16_a8OGZxMAAAAlAAAAZAAAAA8BAAAAkAAAAEgAAACQAAAASAAAAAAAAAAAAAAAAAAAAAEAAABQAAAAAAAAAAAA4D8AAAAAAADgPwAAAAAAAOA/AAAAAAAA4D8AAAAAAADgPwAAAAAAAOA/AAAAAAAA4D8AAAAAAADgPwAAAAAAAOA/AAAAAAAA4D8CAAAAjAAAAAAAAAAAAAAAu+DjDP///wgAAAAAAAAAAAAAAAAAAAAAAAAAAAAAAAAAAAAAZAAAAAEAAABAAAAAAAAAAAAAAAAAAAAAAAAAAAAAAAAAAAAAAAAAAAAAAAAAAAAAAAAAAAAAAAAAAAAAAAAAAAAAAAAAAAAAAAAAAAAAAAAAAAAAAAAAAAAAAAAAAAAAFAAAADwAAAAAAAAAAAAAAAAAAAkUAAAAAQAAABQAAAAUAAAAFAAAAAEAAAAAAAAAZAAAAGQAAAAAAAAAZAAAAGQAAAAVAAAAYAAAAAAAAAAAAAAADwAAACADAAAAAAAAAAAAAAEAAACgMgAAVgcAAKr4//8BAAAAf39/AAEAAABkAAAAAAAAABQAAABAHwAAAAAAACYAAAAAAAAAwOD//wAAAAAmAAAAZAAAABYAAABMAAAAAAAAAAAAAAAEAAAAAAAAAAEAAACAgIAKAAAAACgAAAAoAAAAZAAAAGQAAAAAAAAAzMzMAAAAAABQAAAAUAAAAGQAAABkAAAAAAAAABcAAAAUAAAAAAAAAAAAAAD/fwAA/38AAAAAAAAJAAAABAAAANw7IAEeAAAAaAAAAAAAAAAAAAAAAAAAAAAAAAAAAAAAECcAABAnAAAAAAAAAAAAAAAAAAAAAAAAAAAAAAAAAAAAAAAAAAAAABQAAAAAAAAAwMD/AAAAAABkAAAAMgAAAAAAAABkAAAAAAAAAH9/fwAKAAAAIgAAABgAAAAAAAAAAAAAAAAAAAAAAAAAAAAAAAAAAAAkAAAAJAAAAAAAAAAHAAAAAAAAAAAAAAAAAAAAAAAAAAAAAAAAAAAAf39/ACUAAABYAAAAAAAAAAAAAAAAAAAAAAAAAAAAAAAAAAAAAAAAAAAAAAAAAAAAAAAAAAAAAAA/AAAAAAAAAKCGAQAAAAAAAAAAAAAAAAAMAAAAAQAAAAAAAAAAAAAAAAAAAB8AAABUAAAAAAAABQAAAAEAAAAAAAAAAAAAAAAAAAAAAAAAAAAAAAAAAAAAAAAAAAAAAAJ/f38AAAAAA8zMzADAwP8Af39/AAAAAAAAAAAAAAAAAAAAAAAAAAAAIQAAABgAAAAUAAAAwAMAAGENAADjJAAAsCUAABAAAAAmAAAACAAAAAGAAAAAAAAAMAAAABQAAAAAAAAAAAD//wAAAQAAAP//AAABAA=="/>
+                <pr:smNativeData xmlns:pr="smNativeData" xmlns="smNativeData" val="SMDATA_16_jeCHZxMAAAAlAAAAZAAAAA8BAAAAkAAAAEgAAACQAAAASAAAAAAAAAAAAAAAAAAAAAEAAABQAAAAAAAAAAAA4D8AAAAAAADgPwAAAAAAAOA/AAAAAAAA4D8AAAAAAADgPwAAAAAAAOA/AAAAAAAA4D8AAAAAAADgPwAAAAAAAOA/AAAAAAAA4D8CAAAAjAAAAAAAAAAAAAAAu+DjDP///wgAAAAAAAAAAAAAAAAAAAAAAAAAAAAAAAAAAAAAZAAAAAEAAABAAAAAAAAAAAAAAAAAAAAAAAAAAAAAAAAAAAAAAAAAAAAAAAAAAAAAAAAAAAAAAAAAAAAAAAAAAAAAAAAAAAAAAAAAAAAAAAAAAAAAAAAAAAAAAAAAAAAAFAAAADwAAAAAAAAAAAAAAAAAAAkUAAAAAQAAABQAAAAUAAAAFAAAAAEAAAAAAAAAZAAAAGQAAAAAAAAAZAAAAGQAAAAVAAAAYAAAAAAAAAAAAAAADwAAACADAAAAAAAAAAAAAAEAAACgMgAAVgcAAKr4//8BAAAAf39/AAEAAABkAAAAAAAAABQAAABAHwAAAAAAACYAAAAAAAAAwOD//wAAAAAmAAAAZAAAABYAAABMAAAAAAAAAAAAAAAEAAAAAAAAAAEAAACAgIAKAAAAACgAAAAoAAAAZAAAAGQAAAAAAAAAzMzMAAAAAABQAAAAUAAAAGQAAABkAAAAAAAAABcAAAAUAAAAAAAAAAAAAAD/fwAA/38AAAAAAAAJAAAABAAAANw7IAEeAAAAaAAAAAAAAAAAAAAAAAAAAAAAAAAAAAAAECcAABAnAAAAAAAAAAAAAAAAAAAAAAAAAAAAAAAAAAAAAAAAAAAAABQAAAAAAAAAwMD/AAAAAABkAAAAMgAAAAAAAABkAAAAAAAAAH9/fwAKAAAAIgAAABgAAAAAAAAAAAAAAAAAAAAAAAAAAAAAAAAAAAAkAAAAJAAAAAAAAAAHAAAAAAAAAAAAAAAAAAAAAAAAAAAAAAAAAAAAf39/ACUAAABYAAAAAAAAAAAAAAAAAAAAAAAAAAAAAAAAAAAAAAAAAAAAAAAAAAAAAAAAAAAAAAA/AAAAAAAAAKCGAQAAAAAAAAAAAAAAAAAMAAAAAQAAAAAAAAAAAAAAAAAAAB8AAABUAAAAAAAABQAAAAEAAAAAAAAAAAAAAAAAAAAAAAAAAAAAAAAAAAAAAAAAAAAAAAJ/f38AAAAAA8zMzADAwP8Af39/AAAAAAAAAAAAAAAAAAAAAAAAAAAAIQAAABgAAAAUAAAAwAMAAGENAADjJAAAsCUAABAAAAAmAAAACAAAAAGAAAAAAAAAMAAAABQAAAAAAAAAAAD//wAAAQAAAP//AAABAA=="/>
               </a:ext>
             </a:extLst>
           </p:cNvSpPr>
@@ -1707,7 +1707,7 @@
             <a:spLocks noGrp="1" noChangeArrowheads="1"/>
             <a:extLst>
               <a:ext uri="smNativeData">
-                <pr:smNativeData xmlns:pr="smNativeData" xmlns="smNativeData" val="SMDATA_16_a8OGZxMAAAAlAAAAZAAAAA8BAAAAkAAAAEgAAACQAAAASAAAAAAAAAACAAAAAAAAAAEAAABQAAAAAAAAAAAA4D8AAAAAAADgPwAAAAAAAOA/AAAAAAAA4D8AAAAAAADgPwAAAAAAAOA/AAAAAAAA4D8AAAAAAADgPwAAAAAAAOA/AAAAAAAA4D8CAAAAjAAAAAAAAAAAAAAAu+DjDP///wgAAAAAAAAAAAAAAAAAAAAAAAAAAAAAAAAAAAAAZAAAAAEAAABAAAAAAAAAAAAAAAAAAAAAAAAAAAAAAAAAAAAAAAAAAAAAAAAAAAAAAAAAAAAAAAAAAAAAAAAAAAAAAAAAAAAAAAAAAAAAAAAAAAAAAAAAAAAAAAAAAAAAFAAAADwAAAAAAAAAAAAAAAAAAAkUAAAAAQAAABQAAAAUAAAAFAAAAAEAAAAAAAAAZAAAAGQAAAAAAAAAZAAAAGQAAAAVAAAAYAAAAAAAAAAAAAAADwAAACADAAAAAAAAAAAAAAEAAACgMgAAVgcAAKr4//8BAAAAf39/AAEAAABkAAAAAAAAABQAAABAHwAAAAAAACYAAAAAAAAAwOD//wAAAAAmAAAAZAAAABYAAABMAAAAAAAAAAAAAAAEAAAAAAAAAAEAAACAgIAKAAAAACgAAAAoAAAAZAAAAGQAAAAAAAAAzMzMAAAAAABQAAAAUAAAAGQAAABkAAAAAAAAABcAAAAUAAAAAAAAAAAAAAD/fwAA/38AAAAAAAAJAAAABAAAANw7IAEeAAAAaAAAAAAAAAAAAAAAAAAAAAAAAAAAAAAAECcAABAnAAAAAAAAAAAAAAAAAAAAAAAAAAAAAAAAAAAAAAAAAAAAABQAAAAAAAAAwMD/AAAAAABkAAAAMgAAAAAAAABkAAAAAAAAAH9/fwAKAAAAIgAAABgAAAAAAAAAAAAAAAAAAAAAAAAAAAAAAAAAAAAkAAAAJAAAAAAAAAAHAAAAAAAAAAAAAAAAAAAAAAAAAAAAAAAAAAAAf39/ACUAAABYAAAAAAAAAAAAAAAAAAAAAAAAAAAAAAAAAAAAAAAAAAAAAAAAAAAAAAAAAAAAAAA/AAAAAAAAAKCGAQAAAAAAAAAAAAAAAAAMAAAAAQAAAAAAAAAAAAAAAAAAAB8AAABUAAAAAAAABQAAAAEAAAAAAAAAAAAAAAAAAAAAAAAAAAAAAAAAAAAAAAAAAAAAAAJ/f38AAAAAA8zMzADAwP8Af39/AAAAAAAAAAAAAAAAAAAAAAAAAAAAIQAAABgAAAAUAAAAHSYAAHEJAABARwAAYQ0AABAAAAAmAAAACAAAAIGAAAAAAAAAMAAAABQAAAAAAAAAAAD//wAAAQAAAP//AAABAA=="/>
+                <pr:smNativeData xmlns:pr="smNativeData" xmlns="smNativeData" val="SMDATA_16_jeCHZxMAAAAlAAAAZAAAAA8BAAAAkAAAAEgAAACQAAAASAAAAAAAAAACAAAAAAAAAAEAAABQAAAAAAAAAAAA4D8AAAAAAADgPwAAAAAAAOA/AAAAAAAA4D8AAAAAAADgPwAAAAAAAOA/AAAAAAAA4D8AAAAAAADgPwAAAAAAAOA/AAAAAAAA4D8CAAAAjAAAAAAAAAAAAAAAu+DjDP///wgAAAAAAAAAAAAAAAAAAAAAAAAAAAAAAAAAAAAAZAAAAAEAAABAAAAAAAAAAAAAAAAAAAAAAAAAAAAAAAAAAAAAAAAAAAAAAAAAAAAAAAAAAAAAAAAAAAAAAAAAAAAAAAAAAAAAAAAAAAAAAAAAAAAAAAAAAAAAAAAAAAAAFAAAADwAAAAAAAAAAAAAAAAAAAkUAAAAAQAAABQAAAAUAAAAFAAAAAEAAAAAAAAAZAAAAGQAAAAAAAAAZAAAAGQAAAAVAAAAYAAAAAAAAAAAAAAADwAAACADAAAAAAAAAAAAAAEAAACgMgAAVgcAAKr4//8BAAAAf39/AAEAAABkAAAAAAAAABQAAABAHwAAAAAAACYAAAAAAAAAwOD//wAAAAAmAAAAZAAAABYAAABMAAAAAAAAAAAAAAAEAAAAAAAAAAEAAACAgIAKAAAAACgAAAAoAAAAZAAAAGQAAAAAAAAAzMzMAAAAAABQAAAAUAAAAGQAAABkAAAAAAAAABcAAAAUAAAAAAAAAAAAAAD/fwAA/38AAAAAAAAJAAAABAAAANw7IAEeAAAAaAAAAAAAAAAAAAAAAAAAAAAAAAAAAAAAECcAABAnAAAAAAAAAAAAAAAAAAAAAAAAAAAAAAAAAAAAAAAAAAAAABQAAAAAAAAAwMD/AAAAAABkAAAAMgAAAAAAAABkAAAAAAAAAH9/fwAKAAAAIgAAABgAAAAAAAAAAAAAAAAAAAAAAAAAAAAAAAAAAAAkAAAAJAAAAAAAAAAHAAAAAAAAAAAAAAAAAAAAAAAAAAAAAAAAAAAAf39/ACUAAABYAAAAAAAAAAAAAAAAAAAAAAAAAAAAAAAAAAAAAAAAAAAAAAAAAAAAAAAAAAAAAAA/AAAAAAAAAKCGAQAAAAAAAAAAAAAAAAAMAAAAAQAAAAAAAAAAAAAAAAAAAB8AAABUAAAAAAAABQAAAAEAAAAAAAAAAAAAAAAAAAAAAAAAAAAAAAAAAAAAAAAAAAAAAAJ/f38AAAAAA8zMzADAwP8Af39/AAAAAAAAAAAAAAAAAAAAAAAAAAAAIQAAABgAAAAUAAAAHSYAAHEJAABARwAAYQ0AABAAAAAmAAAACAAAAIGAAAAAAAAAMAAAABQAAAAAAAAAAAD//wAAAQAAAP//AAABAA=="/>
               </a:ext>
             </a:extLst>
           </p:cNvSpPr>
@@ -1780,7 +1780,7 @@
             <a:spLocks noGrp="1" noChangeArrowheads="1"/>
             <a:extLst>
               <a:ext uri="smNativeData">
-                <pr:smNativeData xmlns:pr="smNativeData" xmlns="smNativeData" val="SMDATA_16_a8OGZxMAAAAlAAAAZAAAAA8BAAAAkAAAAEgAAACQAAAASAAAAAAAAAAAAAAAAAAAAAEAAABQAAAAAAAAAAAA4D8AAAAAAADgPwAAAAAAAOA/AAAAAAAA4D8AAAAAAADgPwAAAAAAAOA/AAAAAAAA4D8AAAAAAADgPwAAAAAAAOA/AAAAAAAA4D8CAAAAjAAAAAAAAAAAAAAAu+DjDP///wgAAAAAAAAAAAAAAAAAAAAAAAAAAAAAAAAAAAAAZAAAAAEAAABAAAAAAAAAAAAAAAAAAAAAAAAAAAAAAAAAAAAAAAAAAAAAAAAAAAAAAAAAAAAAAAAAAAAAAAAAAAAAAAAAAAAAAAAAAAAAAAAAAAAAAAAAAAAAAAAAAAAAFAAAADwAAAAAAAAAAAAAAAAAAAkUAAAAAQAAABQAAAAUAAAAFAAAAAEAAAAAAAAAZAAAAGQAAAAAAAAAZAAAAGQAAAAVAAAAYAAAAAAAAAAAAAAADwAAACADAAAAAAAAAAAAAAEAAACgMgAAVgcAAKr4//8BAAAAf39/AAEAAABkAAAAAAAAABQAAABAHwAAAAAAACYAAAAAAAAAwOD//wAAAAAmAAAAZAAAABYAAABMAAAAAAAAAAAAAAAEAAAAAAAAAAEAAACAgIAKAAAAACgAAAAoAAAAZAAAAGQAAAAAAAAAzMzMAAAAAABQAAAAUAAAAGQAAABkAAAAAAAAABcAAAAUAAAAAAAAAAAAAAD/fwAA/38AAAAAAAAJAAAABAAAANw7IAEeAAAAaAAAAAAAAAAAAAAAAAAAAAAAAAAAAAAAECcAABAnAAAAAAAAAAAAAAAAAAAAAAAAAAAAAAAAAAAAAAAAAAAAABQAAAAAAAAAwMD/AAAAAABkAAAAMgAAAAAAAABkAAAAAAAAAH9/fwAKAAAAIgAAABgAAAAAAAAAAAAAAAAAAAAAAAAAAAAAAAAAAAAkAAAAJAAAAAAAAAAHAAAAAAAAAAAAAAAAAAAAAAAAAAAAAAAAAAAAf39/ACUAAABYAAAAAAAAAAAAAAAAAAAAAAAAAAAAAAAAAAAAAAAAAAAAAAAAAAAAAAAAAAAAAAA/AAAAAAAAAKCGAQAAAAAAAAAAAAAAAAAMAAAAAQAAAAAAAAAAAAAAAAAAAB8AAABUAAAAAAAABQAAAAEAAAAAAAAAAAAAAAAAAAAAAAAAAAAAAAAAAAAAAAAAAAAAAAJ/f38AAAAAA8zMzADAwP8Af39/AAAAAAAAAAAAAAAAAAAAAAAAAAAAIQAAABgAAAAUAAAAHSYAAGENAABARwAAsCUAABAAAAAmAAAACAAAAAGAAAAAAAAAMAAAABQAAAAAAAAAAAD//wAAAQAAAP//AAABAA=="/>
+                <pr:smNativeData xmlns:pr="smNativeData" xmlns="smNativeData" val="SMDATA_16_jeCHZxMAAAAlAAAAZAAAAA8BAAAAkAAAAEgAAACQAAAASAAAAAAAAAAAAAAAAAAAAAEAAABQAAAAAAAAAAAA4D8AAAAAAADgPwAAAAAAAOA/AAAAAAAA4D8AAAAAAADgPwAAAAAAAOA/AAAAAAAA4D8AAAAAAADgPwAAAAAAAOA/AAAAAAAA4D8CAAAAjAAAAAAAAAAAAAAAu+DjDP///wgAAAAAAAAAAAAAAAAAAAAAAAAAAAAAAAAAAAAAZAAAAAEAAABAAAAAAAAAAAAAAAAAAAAAAAAAAAAAAAAAAAAAAAAAAAAAAAAAAAAAAAAAAAAAAAAAAAAAAAAAAAAAAAAAAAAAAAAAAAAAAAAAAAAAAAAAAAAAAAAAAAAAFAAAADwAAAAAAAAAAAAAAAAAAAkUAAAAAQAAABQAAAAUAAAAFAAAAAEAAAAAAAAAZAAAAGQAAAAAAAAAZAAAAGQAAAAVAAAAYAAAAAAAAAAAAAAADwAAACADAAAAAAAAAAAAAAEAAACgMgAAVgcAAKr4//8BAAAAf39/AAEAAABkAAAAAAAAABQAAABAHwAAAAAAACYAAAAAAAAAwOD//wAAAAAmAAAAZAAAABYAAABMAAAAAAAAAAAAAAAEAAAAAAAAAAEAAACAgIAKAAAAACgAAAAoAAAAZAAAAGQAAAAAAAAAzMzMAAAAAABQAAAAUAAAAGQAAABkAAAAAAAAABcAAAAUAAAAAAAAAAAAAAD/fwAA/38AAAAAAAAJAAAABAAAANw7IAEeAAAAaAAAAAAAAAAAAAAAAAAAAAAAAAAAAAAAECcAABAnAAAAAAAAAAAAAAAAAAAAAAAAAAAAAAAAAAAAAAAAAAAAABQAAAAAAAAAwMD/AAAAAABkAAAAMgAAAAAAAABkAAAAAAAAAH9/fwAKAAAAIgAAABgAAAAAAAAAAAAAAAAAAAAAAAAAAAAAAAAAAAAkAAAAJAAAAAAAAAAHAAAAAAAAAAAAAAAAAAAAAAAAAAAAAAAAAAAAf39/ACUAAABYAAAAAAAAAAAAAAAAAAAAAAAAAAAAAAAAAAAAAAAAAAAAAAAAAAAAAAAAAAAAAAA/AAAAAAAAAKCGAQAAAAAAAAAAAAAAAAAMAAAAAQAAAAAAAAAAAAAAAAAAAB8AAABUAAAAAAAABQAAAAEAAAAAAAAAAAAAAAAAAAAAAAAAAAAAAAAAAAAAAAAAAAAAAAJ/f38AAAAAA8zMzADAwP8Af39/AAAAAAAAAAAAAAAAAAAAAAAAAAAAIQAAABgAAAAUAAAAHSYAAGENAABARwAAsCUAABAAAAAmAAAACAAAAAGAAAAAAAAAMAAAABQAAAAAAAAAAAD//wAAAQAAAP//AAABAA=="/>
               </a:ext>
             </a:extLst>
           </p:cNvSpPr>
@@ -1864,7 +1864,7 @@
             <a:spLocks noGrp="1" noChangeArrowheads="1"/>
             <a:extLst>
               <a:ext uri="smNativeData">
-                <pr:smNativeData xmlns:pr="smNativeData" xmlns="smNativeData" val="SMDATA_16_a8OGZxMAAAAlAAAAZAAAAA8BAAAAkAAAAEgAAACQAAAASAAAAAAAAAABAAAAAAAAAAEAAABQAAAAAAAAAAAA4D8AAAAAAADgPwAAAAAAAOA/AAAAAAAA4D8AAAAAAADgPwAAAAAAAOA/AAAAAAAA4D8AAAAAAADgPwAAAAAAAOA/AAAAAAAA4D8CAAAAjAAAAAAAAAAAAAAAu+DjDP///wgAAAAAAAAAAAAAAAAAAAAAAAAAAAAAAAAAAAAAZAAAAAEAAABAAAAAAAAAAAAAAAAAAAAAAAAAAAAAAAAAAAAAAAAAAAAAAAAAAAAAAAAAAAAAAAAAAAAAAAAAAAAAAAAAAAAAAAAAAAAAAAAAAAAAAAAAAAAAAAAAAAAAFAAAADwAAAAAAAAAAAAAAAAAAAkUAAAAAQAAABQAAAAUAAAAFAAAAAEAAAAAAAAAZAAAAGQAAAAAAAAAZAAAAGQAAAAVAAAAYAAAAAAAAAAAAAAADwAAACADAAAAAAAAAAAAAAEAAACgMgAAVgcAAKr4//8BAAAAf39/AAEAAABkAAAAAAAAABQAAABAHwAAAAAAACYAAAAAAAAAwOD//wAAAAAmAAAAZAAAABYAAABMAAAAAAAAAAAAAAAEAAAAAAAAAAEAAACAgIAKAAAAACgAAAAoAAAAZAAAAGQAAAAAAAAAzMzMAAAAAABQAAAAUAAAAGQAAABkAAAAAAAAABcAAAAUAAAAAAAAAAAAAAD/fwAA/38AAAAAAAAJAAAABAAAANw7IAEeAAAAaAAAAAAAAAAAAAAAAAAAAAAAAAAAAAAAECcAABAnAAAAAAAAAAAAAAAAAAAAAAAAAAAAAAAAAAAAAAAAAAAAABQAAAAAAAAAwMD/AAAAAABkAAAAMgAAAAAAAABkAAAAAAAAAH9/fwAKAAAAIgAAABgAAAAAAAAAAAAAAAAAAAAAAAAAAAAAAAAAAAAkAAAAJAAAAAAAAAAHAAAAAAAAAAAAAAAAAAAAAAAAAAAAAAAAAAAAf39/ACUAAABYAAAAAAAAAAAAAAAAAAAAAAAAAAAAAAAAAAAAAAAAAAAAAAAAAAAAAAAAAAAAAAA/AAAAAAAAAKCGAQAAAAAAAAAAAAAAAAAMAAAAAQAAAAAAAAAAAAAAAAAAAB8AAABUAAAAAAAABQAAAAEAAAAAAAAAAAAAAAAAAAAAAAAAAAAAAAAAAAAAAAAAAAAAAAJ/f38AAAAAA8zMzADAwP8Af39/AAAAAAAAAAAAAAAAAAAAAAAAAAAAIQAAABgAAAAUAAAAwAMAABsnAAA/FQAAWSkAABAAAAAmAAAACAAAAAAAAAAAAAAAMAAAABQAAAAAAAAAAAD//wAAAQAAAP//AAABAA=="/>
+                <pr:smNativeData xmlns:pr="smNativeData" xmlns="smNativeData" val="SMDATA_16_jeCHZxMAAAAlAAAAZAAAAA8BAAAAkAAAAEgAAACQAAAASAAAAAAAAAABAAAAAAAAAAEAAABQAAAAAAAAAAAA4D8AAAAAAADgPwAAAAAAAOA/AAAAAAAA4D8AAAAAAADgPwAAAAAAAOA/AAAAAAAA4D8AAAAAAADgPwAAAAAAAOA/AAAAAAAA4D8CAAAAjAAAAAAAAAAAAAAAu+DjDP///wgAAAAAAAAAAAAAAAAAAAAAAAAAAAAAAAAAAAAAZAAAAAEAAABAAAAAAAAAAAAAAAAAAAAAAAAAAAAAAAAAAAAAAAAAAAAAAAAAAAAAAAAAAAAAAAAAAAAAAAAAAAAAAAAAAAAAAAAAAAAAAAAAAAAAAAAAAAAAAAAAAAAAFAAAADwAAAAAAAAAAAAAAAAAAAkUAAAAAQAAABQAAAAUAAAAFAAAAAEAAAAAAAAAZAAAAGQAAAAAAAAAZAAAAGQAAAAVAAAAYAAAAAAAAAAAAAAADwAAACADAAAAAAAAAAAAAAEAAACgMgAAVgcAAKr4//8BAAAAf39/AAEAAABkAAAAAAAAABQAAABAHwAAAAAAACYAAAAAAAAAwOD//wAAAAAmAAAAZAAAABYAAABMAAAAAAAAAAAAAAAEAAAAAAAAAAEAAACAgIAKAAAAACgAAAAoAAAAZAAAAGQAAAAAAAAAzMzMAAAAAABQAAAAUAAAAGQAAABkAAAAAAAAABcAAAAUAAAAAAAAAAAAAAD/fwAA/38AAAAAAAAJAAAABAAAANw7IAEeAAAAaAAAAAAAAAAAAAAAAAAAAAAAAAAAAAAAECcAABAnAAAAAAAAAAAAAAAAAAAAAAAAAAAAAAAAAAAAAAAAAAAAABQAAAAAAAAAwMD/AAAAAABkAAAAMgAAAAAAAABkAAAAAAAAAH9/fwAKAAAAIgAAABgAAAAAAAAAAAAAAAAAAAAAAAAAAAAAAAAAAAAkAAAAJAAAAAAAAAAHAAAAAAAAAAAAAAAAAAAAAAAAAAAAAAAAAAAAf39/ACUAAABYAAAAAAAAAAAAAAAAAAAAAAAAAAAAAAAAAAAAAAAAAAAAAAAAAAAAAAAAAAAAAAA/AAAAAAAAAKCGAQAAAAAAAAAAAAAAAAAMAAAAAQAAAAAAAAAAAAAAAAAAAB8AAABUAAAAAAAABQAAAAEAAAAAAAAAAAAAAAAAAAAAAAAAAAAAAAAAAAAAAAAAAAAAAAJ/f38AAAAAA8zMzADAwP8Af39/AAAAAAAAAAAAAAAAAAAAAAAAAAAAIQAAABgAAAAUAAAAwAMAABsnAAA/FQAAWSkAABAAAAAmAAAACAAAAAAAAAAAAAAAMAAAABQAAAAAAAAAAAD//wAAAQAAAP//AAABAA=="/>
               </a:ext>
             </a:extLst>
           </p:cNvSpPr>
@@ -1878,7 +1878,7 @@
           <a:lstStyle/>
           <a:p>
             <a:pPr/>
-            <a:fld id="{3C72FEE2-ACD1-2708-9FCA-5A5DB084690F}" type="datetime1">
+            <a:fld id="{3D25B882-CCD0-704E-9E9D-3A1BF6D3686F}" type="datetime1">
               <a:t/>
             </a:fld>
           </a:p>
@@ -1891,7 +1891,7 @@
             <a:spLocks noGrp="1" noChangeArrowheads="1"/>
             <a:extLst>
               <a:ext uri="smNativeData">
-                <pr:smNativeData xmlns:pr="smNativeData" xmlns="smNativeData" val="SMDATA_16_a8OGZxMAAAAlAAAAZAAAAA8BAAAAkAAAAEgAAACQAAAASAAAAAAAAAABAAAAAAAAAAEAAABQAAAAAAAAAAAA4D8AAAAAAADgPwAAAAAAAOA/AAAAAAAA4D8AAAAAAADgPwAAAAAAAOA/AAAAAAAA4D8AAAAAAADgPwAAAAAAAOA/AAAAAAAA4D8CAAAAjAAAAAAAAAAAAAAAu+DjDP///wgAAAAAAAAAAAAAAAAAAAAAAAAAAAAAAAAAAAAAZAAAAAEAAABAAAAAAAAAAAAAAAAAAAAAAAAAAAAAAAAAAAAAAAAAAAAAAAAAAAAAAAAAAAAAAAAAAAAAAAAAAAAAAAAAAAAAAAAAAAAAAAAAAAAAAAAAAAAAAAAAAAAAFAAAADwAAAAAAAAAAAAAAAAAAAkUAAAAAQAAABQAAAAUAAAAFAAAAAEAAAAAAAAAZAAAAGQAAAAAAAAAZAAAAGQAAAAVAAAAYAAAAAAAAAAAAAAADwAAACADAAAAAAAAAAAAAAEAAACgMgAAVgcAAKr4//8BAAAAf39/AAEAAABkAAAAAAAAABQAAABAHwAAAAAAACYAAAAAAAAAwOD//wAAAAAmAAAAZAAAABYAAABMAAAAAAAAAAAAAAAEAAAAAAAAAAEAAACAgIAKAAAAACgAAAAoAAAAZAAAAGQAAAAAAAAAzMzMAAAAAABQAAAAUAAAAGQAAABkAAAAAAAAABcAAAAUAAAAAAAAAAAAAAD/fwAA/38AAAAAAAAJAAAABAAAANw7IAEeAAAAaAAAAAAAAAAAAAAAAAAAAAAAAAAAAAAAECcAABAnAAAAAAAAAAAAAAAAAAAAAAAAAAAAAAAAAAAAAAAAAAAAABQAAAAAAAAAwMD/AAAAAABkAAAAMgAAAAAAAABkAAAAAAAAAH9/fwAKAAAAIgAAABgAAAAAAAAAAAAAAAAAAAAAAAAAAAAAAAAAAAAkAAAAJAAAAAAAAAAHAAAAAAAAAAAAAAAAAAAAAAAAAAAAAAAAAAAAf39/ACUAAABYAAAAAAAAAAAAAAAAAAAAAAAAAAAAAAAAAAAAAAAAAAAAAAAAAAAAAAAAAAAAAAA/AAAAAAAAAKCGAQAAAAAAAAAAAAAAAAAMAAAAAQAAAAAAAAAAAAAAAAAAAB8AAABUAAAAAAAABQAAAAEAAAAAAAAAAAAAAAAAAAAAAAAAAAAAAAAAAAAAAAAAAAAAAAJ/f38AAAAAA8zMzADAwP8Af39/AAAAAAAAAAAAAAAAAAAAAAAAAAAAIQAAABgAAAAUAAAAoRkAABsnAABfMQAAWSkAABAAAAAmAAAACAAAAAAAAAAAAAAAMAAAABQAAAAAAAAAAAD//wAAAQAAAP//AAABAA=="/>
+                <pr:smNativeData xmlns:pr="smNativeData" xmlns="smNativeData" val="SMDATA_16_jeCHZxMAAAAlAAAAZAAAAA8BAAAAkAAAAEgAAACQAAAASAAAAAAAAAABAAAAAAAAAAEAAABQAAAAAAAAAAAA4D8AAAAAAADgPwAAAAAAAOA/AAAAAAAA4D8AAAAAAADgPwAAAAAAAOA/AAAAAAAA4D8AAAAAAADgPwAAAAAAAOA/AAAAAAAA4D8CAAAAjAAAAAAAAAAAAAAAu+DjDP///wgAAAAAAAAAAAAAAAAAAAAAAAAAAAAAAAAAAAAAZAAAAAEAAABAAAAAAAAAAAAAAAAAAAAAAAAAAAAAAAAAAAAAAAAAAAAAAAAAAAAAAAAAAAAAAAAAAAAAAAAAAAAAAAAAAAAAAAAAAAAAAAAAAAAAAAAAAAAAAAAAAAAAFAAAADwAAAAAAAAAAAAAAAAAAAkUAAAAAQAAABQAAAAUAAAAFAAAAAEAAAAAAAAAZAAAAGQAAAAAAAAAZAAAAGQAAAAVAAAAYAAAAAAAAAAAAAAADwAAACADAAAAAAAAAAAAAAEAAACgMgAAVgcAAKr4//8BAAAAf39/AAEAAABkAAAAAAAAABQAAABAHwAAAAAAACYAAAAAAAAAwOD//wAAAAAmAAAAZAAAABYAAABMAAAAAAAAAAAAAAAEAAAAAAAAAAEAAACAgIAKAAAAACgAAAAoAAAAZAAAAGQAAAAAAAAAzMzMAAAAAABQAAAAUAAAAGQAAABkAAAAAAAAABcAAAAUAAAAAAAAAAAAAAD/fwAA/38AAAAAAAAJAAAABAAAANw7IAEeAAAAaAAAAAAAAAAAAAAAAAAAAAAAAAAAAAAAECcAABAnAAAAAAAAAAAAAAAAAAAAAAAAAAAAAAAAAAAAAAAAAAAAABQAAAAAAAAAwMD/AAAAAABkAAAAMgAAAAAAAABkAAAAAAAAAH9/fwAKAAAAIgAAABgAAAAAAAAAAAAAAAAAAAAAAAAAAAAAAAAAAAAkAAAAJAAAAAAAAAAHAAAAAAAAAAAAAAAAAAAAAAAAAAAAAAAAAAAAf39/ACUAAABYAAAAAAAAAAAAAAAAAAAAAAAAAAAAAAAAAAAAAAAAAAAAAAAAAAAAAAAAAAAAAAA/AAAAAAAAAKCGAQAAAAAAAAAAAAAAAAAMAAAAAQAAAAAAAAAAAAAAAAAAAB8AAABUAAAAAAAABQAAAAEAAAAAAAAAAAAAAAAAAAAAAAAAAAAAAAAAAAAAAAAAAAAAAAJ/f38AAAAAA8zMzADAwP8Af39/AAAAAAAAAAAAAAAAAAAAAAAAAAAAIQAAABgAAAAUAAAAoRkAABsnAABfMQAAWSkAABAAAAAmAAAACAAAAAAAAAAAAAAAMAAAABQAAAAAAAAAAAD//wAAAQAAAP//AAABAA=="/>
               </a:ext>
             </a:extLst>
           </p:cNvSpPr>
@@ -1915,7 +1915,7 @@
             <a:spLocks noGrp="1" noChangeArrowheads="1"/>
             <a:extLst>
               <a:ext uri="smNativeData">
-                <pr:smNativeData xmlns:pr="smNativeData" xmlns="smNativeData" val="SMDATA_16_a8OGZxMAAAAlAAAAZAAAAA8BAAAAkAAAAEgAAACQAAAASAAAAAAAAAABAAAAAAAAAAEAAABQAAAAAAAAAAAA4D8AAAAAAADgPwAAAAAAAOA/AAAAAAAA4D8AAAAAAADgPwAAAAAAAOA/AAAAAAAA4D8AAAAAAADgPwAAAAAAAOA/AAAAAAAA4D8CAAAAjAAAAAAAAAAAAAAAu+DjDP///wgAAAAAAAAAAAAAAAAAAAAAAAAAAAAAAAAAAAAAZAAAAAEAAABAAAAAAAAAAAAAAAAAAAAAAAAAAAAAAAAAAAAAAAAAAAAAAAAAAAAAAAAAAAAAAAAAAAAAAAAAAAAAAAAAAAAAAAAAAAAAAAAAAAAAAAAAAAAAAAAAAAAAFAAAADwAAAAAAAAAAAAAAAAAAAkUAAAAAQAAABQAAAAUAAAAFAAAAAEAAAAAAAAAZAAAAGQAAAAAAAAAZAAAAGQAAAAVAAAAYAAAAAAAAAAAAAAADwAAACADAAAAAAAAAAAAAAEAAACgMgAAVgcAAKr4//8BAAAAf39/AAEAAABkAAAAAAAAABQAAABAHwAAAAAAACYAAAAAAAAAwOD//wAAAAAmAAAAZAAAABYAAABMAAAAAAAAAAAAAAAEAAAAAAAAAAEAAACAgIAKAAAAACgAAAAoAAAAZAAAAGQAAAAAAAAAzMzMAAAAAABQAAAAUAAAAGQAAABkAAAAAAAAABcAAAAUAAAAAAAAAAAAAAD/fwAA/38AAAAAAAAJAAAABAAAANw7IAEeAAAAaAAAAAAAAAAAAAAAAAAAAAAAAAAAAAAAECcAABAnAAAAAAAAAAAAAAAAAAAAAAAAAAAAAAAAAAAAAAAAAAAAABQAAAAAAAAAwMD/AAAAAABkAAAAMgAAAAAAAABkAAAAAAAAAH9/fwAKAAAAIgAAABgAAAAAAAAAAAAAAAAAAAAAAAAAAAAAAAAAAAAkAAAAJAAAAAAAAAAHAAAAAAAAAAAAAAAAAAAAAAAAAAAAAAAAAAAAf39/ACUAAABYAAAAAAAAAAAAAAAAAAAAAAAAAAAAAAAAAAAAAAAAAAAAAAAAAAAAAAAAAAAAAAA/AAAAAAAAAKCGAQAAAAAAAAAAAAAAAAAMAAAAAQAAAAAAAAAAAAAAAAAAAB8AAABUAAAAAAAABQAAAAEAAAAAAAAAAAAAAAAAAAAAAAAAAAAAAAAAAAAAAAAAAAAAAAJ/f38AAAAAA8zMzADAwP8Af39/AAAAAAAAAAAAAAAAAAAAAAAAAAAAIQAAABgAAAAUAAAAwTUAABsnAABARwAAWSkAABAAAAAmAAAACAAAAAAAAAAAAAAAMAAAABQAAAAAAAAAAAD//wAAAQAAAP//AAABAA=="/>
+                <pr:smNativeData xmlns:pr="smNativeData" xmlns="smNativeData" val="SMDATA_16_jeCHZxMAAAAlAAAAZAAAAA8BAAAAkAAAAEgAAACQAAAASAAAAAAAAAABAAAAAAAAAAEAAABQAAAAAAAAAAAA4D8AAAAAAADgPwAAAAAAAOA/AAAAAAAA4D8AAAAAAADgPwAAAAAAAOA/AAAAAAAA4D8AAAAAAADgPwAAAAAAAOA/AAAAAAAA4D8CAAAAjAAAAAAAAAAAAAAAu+DjDP///wgAAAAAAAAAAAAAAAAAAAAAAAAAAAAAAAAAAAAAZAAAAAEAAABAAAAAAAAAAAAAAAAAAAAAAAAAAAAAAAAAAAAAAAAAAAAAAAAAAAAAAAAAAAAAAAAAAAAAAAAAAAAAAAAAAAAAAAAAAAAAAAAAAAAAAAAAAAAAAAAAAAAAFAAAADwAAAAAAAAAAAAAAAAAAAkUAAAAAQAAABQAAAAUAAAAFAAAAAEAAAAAAAAAZAAAAGQAAAAAAAAAZAAAAGQAAAAVAAAAYAAAAAAAAAAAAAAADwAAACADAAAAAAAAAAAAAAEAAACgMgAAVgcAAKr4//8BAAAAf39/AAEAAABkAAAAAAAAABQAAABAHwAAAAAAACYAAAAAAAAAwOD//wAAAAAmAAAAZAAAABYAAABMAAAAAAAAAAAAAAAEAAAAAAAAAAEAAACAgIAKAAAAACgAAAAoAAAAZAAAAGQAAAAAAAAAzMzMAAAAAABQAAAAUAAAAGQAAABkAAAAAAAAABcAAAAUAAAAAAAAAAAAAAD/fwAA/38AAAAAAAAJAAAABAAAANw7IAEeAAAAaAAAAAAAAAAAAAAAAAAAAAAAAAAAAAAAECcAABAnAAAAAAAAAAAAAAAAAAAAAAAAAAAAAAAAAAAAAAAAAAAAABQAAAAAAAAAwMD/AAAAAABkAAAAMgAAAAAAAABkAAAAAAAAAH9/fwAKAAAAIgAAABgAAAAAAAAAAAAAAAAAAAAAAAAAAAAAAAAAAAAkAAAAJAAAAAAAAAAHAAAAAAAAAAAAAAAAAAAAAAAAAAAAAAAAAAAAf39/ACUAAABYAAAAAAAAAAAAAAAAAAAAAAAAAAAAAAAAAAAAAAAAAAAAAAAAAAAAAAAAAAAAAAA/AAAAAAAAAKCGAQAAAAAAAAAAAAAAAAAMAAAAAQAAAAAAAAAAAAAAAAAAAB8AAABUAAAAAAAABQAAAAEAAAAAAAAAAAAAAAAAAAAAAAAAAAAAAAAAAAAAAAAAAAAAAAJ/f38AAAAAA8zMzADAwP8Af39/AAAAAAAAAAAAAAAAAAAAAAAAAAAAIQAAABgAAAAUAAAAwTUAABsnAABARwAAWSkAABAAAAAmAAAACAAAAAAAAAAAAAAAMAAAABQAAAAAAAAAAAD//wAAAQAAAP//AAABAA=="/>
               </a:ext>
             </a:extLst>
           </p:cNvSpPr>
@@ -1929,7 +1929,7 @@
           <a:lstStyle/>
           <a:p>
             <a:pPr/>
-            <a:fld id="{3C72D83E-70D1-272E-9FCA-867B968469D3}" type="slidenum">
+            <a:fld id="{3D25CF66-28D0-7039-9E9D-DE6C81D3688B}" type="slidenum">
               <a:t/>
             </a:fld>
           </a:p>
@@ -1968,7 +1968,7 @@
             <a:spLocks noGrp="1" noChangeArrowheads="1"/>
             <a:extLst>
               <a:ext uri="smNativeData">
-                <pr:smNativeData xmlns:pr="smNativeData" xmlns="smNativeData" val="SMDATA_16_a8OGZxMAAAAlAAAAZAAAAA8BAAAAkAAAAEgAAACQAAAASAAAAAAAAAABAAAAAAAAAAEAAABQAAAAAAAAAAAA4D8AAAAAAADgPwAAAAAAAOA/AAAAAAAA4D8AAAAAAADgPwAAAAAAAOA/AAAAAAAA4D8AAAAAAADgPwAAAAAAAOA/AAAAAAAA4D8CAAAAjAAAAAAAAAAAAAAAu+DjDP///wgAAAAAAAAAAAAAAAAAAAAAAAAAAAAAAAAAAAAAZAAAAAEAAABAAAAAAAAAAAAAAAAAAAAAAAAAAAAAAAAAAAAAAAAAAAAAAAAAAAAAAAAAAAAAAAAAAAAAAAAAAAAAAAAAAAAAAAAAAAAAAAAAAAAAAAAAAAAAAAAAAAAAFAAAADwAAAAAAAAAAAAAAAAAAAkUAAAAAQAAABQAAAAUAAAAFAAAAAEAAAAAAAAAZAAAAGQAAAAAAAAAZAAAAGQAAAAVAAAAYAAAAAAAAAAAAAAADwAAACADAAAAAAAAAAAAAAEAAACgMgAAVgcAAKr4//8BAAAAf39/AAEAAABkAAAAAAAAABQAAABAHwAAAAAAACYAAAAAAAAAwOD//wAAAAAmAAAAZAAAABYAAABMAAAAAAAAAAAAAAAEAAAAAAAAAAEAAACAgIAKAAAAACgAAAAoAAAAZAAAAGQAAAAAAAAAzMzMAAAAAABQAAAAUAAAAGQAAABkAAAAAAAAABcAAAAUAAAAAAAAAAAAAAD/fwAA/38AAAAAAAAJAAAABAAAANw7IAEeAAAAaAAAAAAAAAAAAAAAAAAAAAAAAAAAAAAAECcAABAnAAAAAAAAAAAAAAAAAAAAAAAAAAAAAAAAAAAAAAAAAAAAABQAAAAAAAAAwMD/AAAAAABkAAAAMgAAAAAAAABkAAAAAAAAAH9/fwAKAAAAIgAAABgAAAAAAAAAAAAAAAAAAAAAAAAAAAAAAAAAAAAkAAAAJAAAAAAAAAAHAAAAAAAAAAAAAAAAAAAAAAAAAAAAAAAAAAAAf39/ACUAAABYAAAAAAAAAAAAAAAAAAAAAAAAAAAAAAAAAAAAAAAAAAAAAAAAAAAAAAAAAAAAAAA/AAAAAAAAAKCGAQAAAAAAAAAAAAAAAAAMAAAAAQAAAAAAAAAAAAAAAAAAAB8AAABUAAAAAAAABQAAAAEAAAAAAAAAAAAAAAAAAAAAAAAAAAAAAAAAAAAAAAAAAAAAAAJ/f38AAAAAA8zMzADAwP8Af39/AAAAAAAAAAAAAAAAAAAAAAAAAAAAIQAAABgAAAAUAAAAwAMAALABAABARwAAuAgAABAAAAAmAAAACAAAAAAAAAAAAAAAMAAAABQAAAAAAAAAAAD//wAAAQAAAP//AAABAA=="/>
+                <pr:smNativeData xmlns:pr="smNativeData" xmlns="smNativeData" val="SMDATA_16_jeCHZxMAAAAlAAAAZAAAAA8BAAAAkAAAAEgAAACQAAAASAAAAAAAAAABAAAAAAAAAAEAAABQAAAAAAAAAAAA4D8AAAAAAADgPwAAAAAAAOA/AAAAAAAA4D8AAAAAAADgPwAAAAAAAOA/AAAAAAAA4D8AAAAAAADgPwAAAAAAAOA/AAAAAAAA4D8CAAAAjAAAAAAAAAAAAAAAu+DjDP///wgAAAAAAAAAAAAAAAAAAAAAAAAAAAAAAAAAAAAAZAAAAAEAAABAAAAAAAAAAAAAAAAAAAAAAAAAAAAAAAAAAAAAAAAAAAAAAAAAAAAAAAAAAAAAAAAAAAAAAAAAAAAAAAAAAAAAAAAAAAAAAAAAAAAAAAAAAAAAAAAAAAAAFAAAADwAAAAAAAAAAAAAAAAAAAkUAAAAAQAAABQAAAAUAAAAFAAAAAEAAAAAAAAAZAAAAGQAAAAAAAAAZAAAAGQAAAAVAAAAYAAAAAAAAAAAAAAADwAAACADAAAAAAAAAAAAAAEAAACgMgAAVgcAAKr4//8BAAAAf39/AAEAAABkAAAAAAAAABQAAABAHwAAAAAAACYAAAAAAAAAwOD//wAAAAAmAAAAZAAAABYAAABMAAAAAAAAAAAAAAAEAAAAAAAAAAEAAACAgIAKAAAAACgAAAAoAAAAZAAAAGQAAAAAAAAAzMzMAAAAAABQAAAAUAAAAGQAAABkAAAAAAAAABcAAAAUAAAAAAAAAAAAAAD/fwAA/38AAAAAAAAJAAAABAAAANw7IAEeAAAAaAAAAAAAAAAAAAAAAAAAAAAAAAAAAAAAECcAABAnAAAAAAAAAAAAAAAAAAAAAAAAAAAAAAAAAAAAAAAAAAAAABQAAAAAAAAAwMD/AAAAAABkAAAAMgAAAAAAAABkAAAAAAAAAH9/fwAKAAAAIgAAABgAAAAAAAAAAAAAAAAAAAAAAAAAAAAAAAAAAAAkAAAAJAAAAAAAAAAHAAAAAAAAAAAAAAAAAAAAAAAAAAAAAAAAAAAAf39/ACUAAABYAAAAAAAAAAAAAAAAAAAAAAAAAAAAAAAAAAAAAAAAAAAAAAAAAAAAAAAAAAAAAAA/AAAAAAAAAKCGAQAAAAAAAAAAAAAAAAAMAAAAAQAAAAAAAAAAAAAAAAAAAB8AAABUAAAAAAAABQAAAAEAAAAAAAAAAAAAAAAAAAAAAAAAAAAAAAAAAAAAAAAAAAAAAAJ/f38AAAAAA8zMzADAwP8Af39/AAAAAAAAAAAAAAAAAAAAAAAAAAAAIQAAABgAAAAUAAAAwAMAALABAABARwAAuAgAABAAAAAmAAAACAAAAAAAAAAAAAAAMAAAABQAAAAAAAAAAAD//wAAAQAAAP//AAABAA=="/>
               </a:ext>
             </a:extLst>
           </p:cNvSpPr>
@@ -1995,7 +1995,7 @@
             <a:spLocks noGrp="1" noChangeArrowheads="1"/>
             <a:extLst>
               <a:ext uri="smNativeData">
-                <pr:smNativeData xmlns:pr="smNativeData" xmlns="smNativeData" val="SMDATA_16_a8OGZxMAAAAlAAAAZAAAAA8BAAAAkAAAAEgAAACQAAAASAAAAAAAAAABAAAAAAAAAAEAAABQAAAAAAAAAAAA4D8AAAAAAADgPwAAAAAAAOA/AAAAAAAA4D8AAAAAAADgPwAAAAAAAOA/AAAAAAAA4D8AAAAAAADgPwAAAAAAAOA/AAAAAAAA4D8CAAAAjAAAAAAAAAAAAAAAu+DjDP///wgAAAAAAAAAAAAAAAAAAAAAAAAAAAAAAAAAAAAAZAAAAAEAAABAAAAAAAAAAAAAAAAAAAAAAAAAAAAAAAAAAAAAAAAAAAAAAAAAAAAAAAAAAAAAAAAAAAAAAAAAAAAAAAAAAAAAAAAAAAAAAAAAAAAAAAAAAAAAAAAAAAAAFAAAADwAAAAAAAAAAAAAAAAAAAkUAAAAAQAAABQAAAAUAAAAFAAAAAEAAAAAAAAAZAAAAGQAAAAAAAAAZAAAAGQAAAAVAAAAYAAAAAAAAAAAAAAADwAAACADAAAAAAAAAAAAAAEAAACgMgAAVgcAAKr4//8BAAAAf39/AAEAAABkAAAAAAAAABQAAABAHwAAAAAAACYAAAAAAAAAwOD//wAAAAAmAAAAZAAAABYAAABMAAAAAAAAAAAAAAAEAAAAAAAAAAEAAACAgIAKAAAAACgAAAAoAAAAZAAAAGQAAAAAAAAAzMzMAAAAAABQAAAAUAAAAGQAAABkAAAAAAAAABcAAAAUAAAAAAAAAAAAAAD/fwAA/38AAAAAAAAJAAAABAAAANw7IAEeAAAAaAAAAAAAAAAAAAAAAAAAAAAAAAAAAAAAECcAABAnAAAAAAAAAAAAAAAAAAAAAAAAAAAAAAAAAAAAAAAAAAAAABQAAAAAAAAAwMD/AAAAAABkAAAAMgAAAAAAAABkAAAAAAAAAH9/fwAKAAAAIgAAABgAAAAAAAAAAAAAAAAAAAAAAAAAAAAAAAAAAAAkAAAAJAAAAAAAAAAHAAAAAAAAAAAAAAAAAAAAAAAAAAAAAAAAAAAAf39/ACUAAABYAAAAAAAAAAAAAAAAAAAAAAAAAAAAAAAAAAAAAAAAAAAAAAAAAAAAAAAAAAAAAAA/AAAAAAAAAKCGAQAAAAAAAAAAAAAAAAAMAAAAAQAAAAAAAAAAAAAAAAAAAB8AAABUAAAAAAAABQAAAAEAAAAAAAAAAAAAAAAAAAAAAAAAAAAAAAAAAAAAAAAAAAAAAAJ/f38AAAAAA8zMzADAwP8Af39/AAAAAAAAAAAAAAAAAAAAAAAAAAAAIQAAABgAAAAUAAAAwAMAABsnAAA/FQAAWSkAABAAAAAmAAAACAAAAAAAAAAAAAAAMAAAABQAAAAAAAAAAAD//wAAAQAAAP//AAABAA=="/>
+                <pr:smNativeData xmlns:pr="smNativeData" xmlns="smNativeData" val="SMDATA_16_jeCHZxMAAAAlAAAAZAAAAA8BAAAAkAAAAEgAAACQAAAASAAAAAAAAAABAAAAAAAAAAEAAABQAAAAAAAAAAAA4D8AAAAAAADgPwAAAAAAAOA/AAAAAAAA4D8AAAAAAADgPwAAAAAAAOA/AAAAAAAA4D8AAAAAAADgPwAAAAAAAOA/AAAAAAAA4D8CAAAAjAAAAAAAAAAAAAAAu+DjDP///wgAAAAAAAAAAAAAAAAAAAAAAAAAAAAAAAAAAAAAZAAAAAEAAABAAAAAAAAAAAAAAAAAAAAAAAAAAAAAAAAAAAAAAAAAAAAAAAAAAAAAAAAAAAAAAAAAAAAAAAAAAAAAAAAAAAAAAAAAAAAAAAAAAAAAAAAAAAAAAAAAAAAAFAAAADwAAAAAAAAAAAAAAAAAAAkUAAAAAQAAABQAAAAUAAAAFAAAAAEAAAAAAAAAZAAAAGQAAAAAAAAAZAAAAGQAAAAVAAAAYAAAAAAAAAAAAAAADwAAACADAAAAAAAAAAAAAAEAAACgMgAAVgcAAKr4//8BAAAAf39/AAEAAABkAAAAAAAAABQAAABAHwAAAAAAACYAAAAAAAAAwOD//wAAAAAmAAAAZAAAABYAAABMAAAAAAAAAAAAAAAEAAAAAAAAAAEAAACAgIAKAAAAACgAAAAoAAAAZAAAAGQAAAAAAAAAzMzMAAAAAABQAAAAUAAAAGQAAABkAAAAAAAAABcAAAAUAAAAAAAAAAAAAAD/fwAA/38AAAAAAAAJAAAABAAAANw7IAEeAAAAaAAAAAAAAAAAAAAAAAAAAAAAAAAAAAAAECcAABAnAAAAAAAAAAAAAAAAAAAAAAAAAAAAAAAAAAAAAAAAAAAAABQAAAAAAAAAwMD/AAAAAABkAAAAMgAAAAAAAABkAAAAAAAAAH9/fwAKAAAAIgAAABgAAAAAAAAAAAAAAAAAAAAAAAAAAAAAAAAAAAAkAAAAJAAAAAAAAAAHAAAAAAAAAAAAAAAAAAAAAAAAAAAAAAAAAAAAf39/ACUAAABYAAAAAAAAAAAAAAAAAAAAAAAAAAAAAAAAAAAAAAAAAAAAAAAAAAAAAAAAAAAAAAA/AAAAAAAAAKCGAQAAAAAAAAAAAAAAAAAMAAAAAQAAAAAAAAAAAAAAAAAAAB8AAABUAAAAAAAABQAAAAEAAAAAAAAAAAAAAAAAAAAAAAAAAAAAAAAAAAAAAAAAAAAAAAJ/f38AAAAAA8zMzADAwP8Af39/AAAAAAAAAAAAAAAAAAAAAAAAAAAAIQAAABgAAAAUAAAAwAMAABsnAAA/FQAAWSkAABAAAAAmAAAACAAAAAAAAAAAAAAAMAAAABQAAAAAAAAAAAD//wAAAQAAAP//AAABAA=="/>
               </a:ext>
             </a:extLst>
           </p:cNvSpPr>
@@ -2009,7 +2009,7 @@
           <a:lstStyle/>
           <a:p>
             <a:pPr/>
-            <a:fld id="{3C72B604-4AD1-2740-9FCA-BC15F88469E9}" type="datetime1">
+            <a:fld id="{3D2593B2-FCD0-7065-9E9D-0A30DDD3685F}" type="datetime1">
               <a:t/>
             </a:fld>
           </a:p>
@@ -2022,7 +2022,7 @@
             <a:spLocks noGrp="1" noChangeArrowheads="1"/>
             <a:extLst>
               <a:ext uri="smNativeData">
-                <pr:smNativeData xmlns:pr="smNativeData" xmlns="smNativeData" val="SMDATA_16_a8OGZxMAAAAlAAAAZAAAAA8BAAAAkAAAAEgAAACQAAAASAAAAAAAAAABAAAAAAAAAAEAAABQAAAAAAAAAAAA4D8AAAAAAADgPwAAAAAAAOA/AAAAAAAA4D8AAAAAAADgPwAAAAAAAOA/AAAAAAAA4D8AAAAAAADgPwAAAAAAAOA/AAAAAAAA4D8CAAAAjAAAAAAAAAAAAAAAu+DjDP///wgAAAAAAAAAAAAAAAAAAAAAAAAAAAAAAAAAAAAAZAAAAAEAAABAAAAAAAAAAAAAAAAAAAAAAAAAAAAAAAAAAAAAAAAAAAAAAAAAAAAAAAAAAAAAAAAAAAAAAAAAAAAAAAAAAAAAAAAAAAAAAAAAAAAAAAAAAAAAAAAAAAAAFAAAADwAAAAAAAAAAAAAAAAAAAkUAAAAAQAAABQAAAAUAAAAFAAAAAEAAAAAAAAAZAAAAGQAAAAAAAAAZAAAAGQAAAAVAAAAYAAAAAAAAAAAAAAADwAAACADAAAAAAAAAAAAAAEAAACgMgAAVgcAAKr4//8BAAAAf39/AAEAAABkAAAAAAAAABQAAABAHwAAAAAAACYAAAAAAAAAwOD//wAAAAAmAAAAZAAAABYAAABMAAAAAAAAAAAAAAAEAAAAAAAAAAEAAACAgIAKAAAAACgAAAAoAAAAZAAAAGQAAAAAAAAAzMzMAAAAAABQAAAAUAAAAGQAAABkAAAAAAAAABcAAAAUAAAAAAAAAAAAAAD/fwAA/38AAAAAAAAJAAAABAAAANw7IAEeAAAAaAAAAAAAAAAAAAAAAAAAAAAAAAAAAAAAECcAABAnAAAAAAAAAAAAAAAAAAAAAAAAAAAAAAAAAAAAAAAAAAAAABQAAAAAAAAAwMD/AAAAAABkAAAAMgAAAAAAAABkAAAAAAAAAH9/fwAKAAAAIgAAABgAAAAAAAAAAAAAAAAAAAAAAAAAAAAAAAAAAAAkAAAAJAAAAAAAAAAHAAAAAAAAAAAAAAAAAAAAAAAAAAAAAAAAAAAAf39/ACUAAABYAAAAAAAAAAAAAAAAAAAAAAAAAAAAAAAAAAAAAAAAAAAAAAAAAAAAAAAAAAAAAAA/AAAAAAAAAKCGAQAAAAAAAAAAAAAAAAAMAAAAAQAAAAAAAAAAAAAAAAAAAB8AAABUAAAAAAAABQAAAAEAAAAAAAAAAAAAAAAAAAAAAAAAAAAAAAAAAAAAAAAAAAAAAAJ/f38AAAAAA8zMzADAwP8Af39/AAAAAAAAAAAAAAAAAAAAAAAAAAAAIQAAABgAAAAUAAAAoRkAABsnAABfMQAAWSkAABAAAAAmAAAACAAAAAAAAAAAAAAAMAAAABQAAAAAAAAAAAD//wAAAQAAAP//AAABAA=="/>
+                <pr:smNativeData xmlns:pr="smNativeData" xmlns="smNativeData" val="SMDATA_16_jeCHZxMAAAAlAAAAZAAAAA8BAAAAkAAAAEgAAACQAAAASAAAAAAAAAABAAAAAAAAAAEAAABQAAAAAAAAAAAA4D8AAAAAAADgPwAAAAAAAOA/AAAAAAAA4D8AAAAAAADgPwAAAAAAAOA/AAAAAAAA4D8AAAAAAADgPwAAAAAAAOA/AAAAAAAA4D8CAAAAjAAAAAAAAAAAAAAAu+DjDP///wgAAAAAAAAAAAAAAAAAAAAAAAAAAAAAAAAAAAAAZAAAAAEAAABAAAAAAAAAAAAAAAAAAAAAAAAAAAAAAAAAAAAAAAAAAAAAAAAAAAAAAAAAAAAAAAAAAAAAAAAAAAAAAAAAAAAAAAAAAAAAAAAAAAAAAAAAAAAAAAAAAAAAFAAAADwAAAAAAAAAAAAAAAAAAAkUAAAAAQAAABQAAAAUAAAAFAAAAAEAAAAAAAAAZAAAAGQAAAAAAAAAZAAAAGQAAAAVAAAAYAAAAAAAAAAAAAAADwAAACADAAAAAAAAAAAAAAEAAACgMgAAVgcAAKr4//8BAAAAf39/AAEAAABkAAAAAAAAABQAAABAHwAAAAAAACYAAAAAAAAAwOD//wAAAAAmAAAAZAAAABYAAABMAAAAAAAAAAAAAAAEAAAAAAAAAAEAAACAgIAKAAAAACgAAAAoAAAAZAAAAGQAAAAAAAAAzMzMAAAAAABQAAAAUAAAAGQAAABkAAAAAAAAABcAAAAUAAAAAAAAAAAAAAD/fwAA/38AAAAAAAAJAAAABAAAANw7IAEeAAAAaAAAAAAAAAAAAAAAAAAAAAAAAAAAAAAAECcAABAnAAAAAAAAAAAAAAAAAAAAAAAAAAAAAAAAAAAAAAAAAAAAABQAAAAAAAAAwMD/AAAAAABkAAAAMgAAAAAAAABkAAAAAAAAAH9/fwAKAAAAIgAAABgAAAAAAAAAAAAAAAAAAAAAAAAAAAAAAAAAAAAkAAAAJAAAAAAAAAAHAAAAAAAAAAAAAAAAAAAAAAAAAAAAAAAAAAAAf39/ACUAAABYAAAAAAAAAAAAAAAAAAAAAAAAAAAAAAAAAAAAAAAAAAAAAAAAAAAAAAAAAAAAAAA/AAAAAAAAAKCGAQAAAAAAAAAAAAAAAAAMAAAAAQAAAAAAAAAAAAAAAAAAAB8AAABUAAAAAAAABQAAAAEAAAAAAAAAAAAAAAAAAAAAAAAAAAAAAAAAAAAAAAAAAAAAAAJ/f38AAAAAA8zMzADAwP8Af39/AAAAAAAAAAAAAAAAAAAAAAAAAAAAIQAAABgAAAAUAAAAoRkAABsnAABfMQAAWSkAABAAAAAmAAAACAAAAAAAAAAAAAAAMAAAABQAAAAAAAAAAAD//wAAAQAAAP//AAABAA=="/>
               </a:ext>
             </a:extLst>
           </p:cNvSpPr>
@@ -2046,7 +2046,7 @@
             <a:spLocks noGrp="1" noChangeArrowheads="1"/>
             <a:extLst>
               <a:ext uri="smNativeData">
-                <pr:smNativeData xmlns:pr="smNativeData" xmlns="smNativeData" val="SMDATA_16_a8OGZxMAAAAlAAAAZAAAAA8BAAAAkAAAAEgAAACQAAAASAAAAAAAAAABAAAAAAAAAAEAAABQAAAAAAAAAAAA4D8AAAAAAADgPwAAAAAAAOA/AAAAAAAA4D8AAAAAAADgPwAAAAAAAOA/AAAAAAAA4D8AAAAAAADgPwAAAAAAAOA/AAAAAAAA4D8CAAAAjAAAAAAAAAAAAAAAu+DjDP///wgAAAAAAAAAAAAAAAAAAAAAAAAAAAAAAAAAAAAAZAAAAAEAAABAAAAAAAAAAAAAAAAAAAAAAAAAAAAAAAAAAAAAAAAAAAAAAAAAAAAAAAAAAAAAAAAAAAAAAAAAAAAAAAAAAAAAAAAAAAAAAAAAAAAAAAAAAAAAAAAAAAAAFAAAADwAAAAAAAAAAAAAAAAAAAkUAAAAAQAAABQAAAAUAAAAFAAAAAEAAAAAAAAAZAAAAGQAAAAAAAAAZAAAAGQAAAAVAAAAYAAAAAAAAAAAAAAADwAAACADAAAAAAAAAAAAAAEAAACgMgAAVgcAAKr4//8BAAAAf39/AAEAAABkAAAAAAAAABQAAABAHwAAAAAAACYAAAAAAAAAwOD//wAAAAAmAAAAZAAAABYAAABMAAAAAAAAAAAAAAAEAAAAAAAAAAEAAACAgIAKAAAAACgAAAAoAAAAZAAAAGQAAAAAAAAAzMzMAAAAAABQAAAAUAAAAGQAAABkAAAAAAAAABcAAAAUAAAAAAAAAAAAAAD/fwAA/38AAAAAAAAJAAAABAAAANw7IAEeAAAAaAAAAAAAAAAAAAAAAAAAAAAAAAAAAAAAECcAABAnAAAAAAAAAAAAAAAAAAAAAAAAAAAAAAAAAAAAAAAAAAAAABQAAAAAAAAAwMD/AAAAAABkAAAAMgAAAAAAAABkAAAAAAAAAH9/fwAKAAAAIgAAABgAAAAAAAAAAAAAAAAAAAAAAAAAAAAAAAAAAAAkAAAAJAAAAAAAAAAHAAAAAAAAAAAAAAAAAAAAAAAAAAAAAAAAAAAAf39/ACUAAABYAAAAAAAAAAAAAAAAAAAAAAAAAAAAAAAAAAAAAAAAAAAAAAAAAAAAAAAAAAAAAAA/AAAAAAAAAKCGAQAAAAAAAAAAAAAAAAAMAAAAAQAAAAAAAAAAAAAAAAAAAB8AAABUAAAAAAAABQAAAAEAAAAAAAAAAAAAAAAAAAAAAAAAAAAAAAAAAAAAAAAAAAAAAAJ/f38AAAAAA8zMzADAwP8Af39/AAAAAAAAAAAAAAAAAAAAAAAAAAAAIQAAABgAAAAUAAAAwTUAABsnAABARwAAWSkAABAAAAAmAAAACAAAAAAAAAAAAAAAMAAAABQAAAAAAAAAAAD//wAAAQAAAP//AAABAA=="/>
+                <pr:smNativeData xmlns:pr="smNativeData" xmlns="smNativeData" val="SMDATA_16_jeCHZxMAAAAlAAAAZAAAAA8BAAAAkAAAAEgAAACQAAAASAAAAAAAAAABAAAAAAAAAAEAAABQAAAAAAAAAAAA4D8AAAAAAADgPwAAAAAAAOA/AAAAAAAA4D8AAAAAAADgPwAAAAAAAOA/AAAAAAAA4D8AAAAAAADgPwAAAAAAAOA/AAAAAAAA4D8CAAAAjAAAAAAAAAAAAAAAu+DjDP///wgAAAAAAAAAAAAAAAAAAAAAAAAAAAAAAAAAAAAAZAAAAAEAAABAAAAAAAAAAAAAAAAAAAAAAAAAAAAAAAAAAAAAAAAAAAAAAAAAAAAAAAAAAAAAAAAAAAAAAAAAAAAAAAAAAAAAAAAAAAAAAAAAAAAAAAAAAAAAAAAAAAAAFAAAADwAAAAAAAAAAAAAAAAAAAkUAAAAAQAAABQAAAAUAAAAFAAAAAEAAAAAAAAAZAAAAGQAAAAAAAAAZAAAAGQAAAAVAAAAYAAAAAAAAAAAAAAADwAAACADAAAAAAAAAAAAAAEAAACgMgAAVgcAAKr4//8BAAAAf39/AAEAAABkAAAAAAAAABQAAABAHwAAAAAAACYAAAAAAAAAwOD//wAAAAAmAAAAZAAAABYAAABMAAAAAAAAAAAAAAAEAAAAAAAAAAEAAACAgIAKAAAAACgAAAAoAAAAZAAAAGQAAAAAAAAAzMzMAAAAAABQAAAAUAAAAGQAAABkAAAAAAAAABcAAAAUAAAAAAAAAAAAAAD/fwAA/38AAAAAAAAJAAAABAAAANw7IAEeAAAAaAAAAAAAAAAAAAAAAAAAAAAAAAAAAAAAECcAABAnAAAAAAAAAAAAAAAAAAAAAAAAAAAAAAAAAAAAAAAAAAAAABQAAAAAAAAAwMD/AAAAAABkAAAAMgAAAAAAAABkAAAAAAAAAH9/fwAKAAAAIgAAABgAAAAAAAAAAAAAAAAAAAAAAAAAAAAAAAAAAAAkAAAAJAAAAAAAAAAHAAAAAAAAAAAAAAAAAAAAAAAAAAAAAAAAAAAAf39/ACUAAABYAAAAAAAAAAAAAAAAAAAAAAAAAAAAAAAAAAAAAAAAAAAAAAAAAAAAAAAAAAAAAAA/AAAAAAAAAKCGAQAAAAAAAAAAAAAAAAAMAAAAAQAAAAAAAAAAAAAAAAAAAB8AAABUAAAAAAAABQAAAAEAAAAAAAAAAAAAAAAAAAAAAAAAAAAAAAAAAAAAAAAAAAAAAAJ/f38AAAAAA8zMzADAwP8Af39/AAAAAAAAAAAAAAAAAAAAAAAAAAAAIQAAABgAAAAUAAAAwTUAABsnAABARwAAWSkAABAAAAAmAAAACAAAAAAAAAAAAAAAMAAAABQAAAAAAAAAAAD//wAAAQAAAP//AAABAA=="/>
               </a:ext>
             </a:extLst>
           </p:cNvSpPr>
@@ -2060,7 +2060,7 @@
           <a:lstStyle/>
           <a:p>
             <a:pPr/>
-            <a:fld id="{3C72A5C3-8DD1-2753-9FCA-7B06EB84692E}" type="slidenum">
+            <a:fld id="{3D25AF55-1BD0-7059-9E9D-ED0CE1D368B8}" type="slidenum">
               <a:t/>
             </a:fld>
           </a:p>
@@ -2099,7 +2099,7 @@
             <a:spLocks noGrp="1" noChangeArrowheads="1"/>
             <a:extLst>
               <a:ext uri="smNativeData">
-                <pr:smNativeData xmlns:pr="smNativeData" xmlns="smNativeData" val="SMDATA_16_a8OGZxMAAAAlAAAAZAAAAA8BAAAAkAAAAEgAAACQAAAASAAAAAAAAAABAAAAAAAAAAEAAABQAAAAAAAAAAAA4D8AAAAAAADgPwAAAAAAAOA/AAAAAAAA4D8AAAAAAADgPwAAAAAAAOA/AAAAAAAA4D8AAAAAAADgPwAAAAAAAOA/AAAAAAAA4D8CAAAAjAAAAAAAAAAAAAAAu+DjDP///wgAAAAAAAAAAAAAAAAAAAAAAAAAAAAAAAAAAAAAZAAAAAEAAABAAAAAAAAAAAAAAAAAAAAAAAAAAAAAAAAAAAAAAAAAAAAAAAAAAAAAAAAAAAAAAAAAAAAAAAAAAAAAAAAAAAAAAAAAAAAAAAAAAAAAAAAAAAAAAAAAAAAAFAAAADwAAAAAAAAAAAAAAAAAAAkUAAAAAQAAABQAAAAUAAAAFAAAAAEAAAAAAAAAZAAAAGQAAAAAAAAAZAAAAGQAAAAVAAAAYAAAAAAAAAAAAAAADwAAACADAAAAAAAAAAAAAAEAAACgMgAAVgcAAKr4//8BAAAAf39/AAEAAABkAAAAAAAAABQAAABAHwAAAAAAACYAAAAAAAAAwOD//wAAAAAmAAAAZAAAABYAAABMAAAAAAAAAAAAAAAEAAAAAAAAAAEAAACAgIAKAAAAACgAAAAoAAAAZAAAAGQAAAAAAAAAzMzMAAAAAABQAAAAUAAAAGQAAABkAAAAAAAAABcAAAAUAAAAAAAAAAAAAAD/fwAA/38AAAAAAAAJAAAABAAAANw7IAEeAAAAaAAAAAAAAAAAAAAAAAAAAAAAAAAAAAAAECcAABAnAAAAAAAAAAAAAAAAAAAAAAAAAAAAAAAAAAAAAAAAAAAAABQAAAAAAAAAwMD/AAAAAABkAAAAMgAAAAAAAABkAAAAAAAAAH9/fwAKAAAAIgAAABgAAAAAAAAAAAAAAAAAAAAAAAAAAAAAAAAAAAAkAAAAJAAAAAAAAAAHAAAAAAAAAAAAAAAAAAAAAAAAAAAAAAAAAAAAf39/ACUAAABYAAAAAAAAAAAAAAAAAAAAAAAAAAAAAAAAAAAAAAAAAAAAAAAAAAAAAAAAAAAAAAA/AAAAAAAAAKCGAQAAAAAAAAAAAAAAAAAMAAAAAQAAAAAAAAAAAAAAAAAAAB8AAABUAAAAAAAABQAAAAEAAAAAAAAAAAAAAAAAAAAAAAAAAAAAAAAAAAAAAAAAAAAAAAJ/f38AAAAAA8zMzADAwP8Af39/AAAAAAAAAAAAAAAAAAAAAAAAAAAAIQAAABgAAAAUAAAAwAMAABsnAAA/FQAAWSkAABAAAAAmAAAACAAAAAAAAAAAAAAAMAAAABQAAAAAAAAAAAD//wAAAQAAAP//AAABAA=="/>
+                <pr:smNativeData xmlns:pr="smNativeData" xmlns="smNativeData" val="SMDATA_16_jeCHZxMAAAAlAAAAZAAAAA8BAAAAkAAAAEgAAACQAAAASAAAAAAAAAABAAAAAAAAAAEAAABQAAAAAAAAAAAA4D8AAAAAAADgPwAAAAAAAOA/AAAAAAAA4D8AAAAAAADgPwAAAAAAAOA/AAAAAAAA4D8AAAAAAADgPwAAAAAAAOA/AAAAAAAA4D8CAAAAjAAAAAAAAAAAAAAAu+DjDP///wgAAAAAAAAAAAAAAAAAAAAAAAAAAAAAAAAAAAAAZAAAAAEAAABAAAAAAAAAAAAAAAAAAAAAAAAAAAAAAAAAAAAAAAAAAAAAAAAAAAAAAAAAAAAAAAAAAAAAAAAAAAAAAAAAAAAAAAAAAAAAAAAAAAAAAAAAAAAAAAAAAAAAFAAAADwAAAAAAAAAAAAAAAAAAAkUAAAAAQAAABQAAAAUAAAAFAAAAAEAAAAAAAAAZAAAAGQAAAAAAAAAZAAAAGQAAAAVAAAAYAAAAAAAAAAAAAAADwAAACADAAAAAAAAAAAAAAEAAACgMgAAVgcAAKr4//8BAAAAf39/AAEAAABkAAAAAAAAABQAAABAHwAAAAAAACYAAAAAAAAAwOD//wAAAAAmAAAAZAAAABYAAABMAAAAAAAAAAAAAAAEAAAAAAAAAAEAAACAgIAKAAAAACgAAAAoAAAAZAAAAGQAAAAAAAAAzMzMAAAAAABQAAAAUAAAAGQAAABkAAAAAAAAABcAAAAUAAAAAAAAAAAAAAD/fwAA/38AAAAAAAAJAAAABAAAANw7IAEeAAAAaAAAAAAAAAAAAAAAAAAAAAAAAAAAAAAAECcAABAnAAAAAAAAAAAAAAAAAAAAAAAAAAAAAAAAAAAAAAAAAAAAABQAAAAAAAAAwMD/AAAAAABkAAAAMgAAAAAAAABkAAAAAAAAAH9/fwAKAAAAIgAAABgAAAAAAAAAAAAAAAAAAAAAAAAAAAAAAAAAAAAkAAAAJAAAAAAAAAAHAAAAAAAAAAAAAAAAAAAAAAAAAAAAAAAAAAAAf39/ACUAAABYAAAAAAAAAAAAAAAAAAAAAAAAAAAAAAAAAAAAAAAAAAAAAAAAAAAAAAAAAAAAAAA/AAAAAAAAAKCGAQAAAAAAAAAAAAAAAAAMAAAAAQAAAAAAAAAAAAAAAAAAAB8AAABUAAAAAAAABQAAAAEAAAAAAAAAAAAAAAAAAAAAAAAAAAAAAAAAAAAAAAAAAAAAAAJ/f38AAAAAA8zMzADAwP8Af39/AAAAAAAAAAAAAAAAAAAAAAAAAAAAIQAAABgAAAAUAAAAwAMAABsnAAA/FQAAWSkAABAAAAAmAAAACAAAAAAAAAAAAAAAMAAAABQAAAAAAAAAAAD//wAAAQAAAP//AAABAA=="/>
               </a:ext>
             </a:extLst>
           </p:cNvSpPr>
@@ -2113,7 +2113,7 @@
           <a:lstStyle/>
           <a:p>
             <a:pPr/>
-            <a:fld id="{3C729D0F-41D1-276B-9FCA-B73ED38469E2}" type="datetime1">
+            <a:fld id="{3D25849E-D0D0-7072-9E9D-2627CAD36873}" type="datetime1">
               <a:t/>
             </a:fld>
           </a:p>
@@ -2126,7 +2126,7 @@
             <a:spLocks noGrp="1" noChangeArrowheads="1"/>
             <a:extLst>
               <a:ext uri="smNativeData">
-                <pr:smNativeData xmlns:pr="smNativeData" xmlns="smNativeData" val="SMDATA_16_a8OGZxMAAAAlAAAAZAAAAA8BAAAAkAAAAEgAAACQAAAASAAAAAAAAAABAAAAAAAAAAEAAABQAAAAAAAAAAAA4D8AAAAAAADgPwAAAAAAAOA/AAAAAAAA4D8AAAAAAADgPwAAAAAAAOA/AAAAAAAA4D8AAAAAAADgPwAAAAAAAOA/AAAAAAAA4D8CAAAAjAAAAAAAAAAAAAAAu+DjDP///wgAAAAAAAAAAAAAAAAAAAAAAAAAAAAAAAAAAAAAZAAAAAEAAABAAAAAAAAAAAAAAAAAAAAAAAAAAAAAAAAAAAAAAAAAAAAAAAAAAAAAAAAAAAAAAAAAAAAAAAAAAAAAAAAAAAAAAAAAAAAAAAAAAAAAAAAAAAAAAAAAAAAAFAAAADwAAAAAAAAAAAAAAAAAAAkUAAAAAQAAABQAAAAUAAAAFAAAAAEAAAAAAAAAZAAAAGQAAAAAAAAAZAAAAGQAAAAVAAAAYAAAAAAAAAAAAAAADwAAACADAAAAAAAAAAAAAAEAAACgMgAAVgcAAKr4//8BAAAAf39/AAEAAABkAAAAAAAAABQAAABAHwAAAAAAACYAAAAAAAAAwOD//wAAAAAmAAAAZAAAABYAAABMAAAAAAAAAAAAAAAEAAAAAAAAAAEAAACAgIAKAAAAACgAAAAoAAAAZAAAAGQAAAAAAAAAzMzMAAAAAABQAAAAUAAAAGQAAABkAAAAAAAAABcAAAAUAAAAAAAAAAAAAAD/fwAA/38AAAAAAAAJAAAABAAAAAAAAAAeAAAAaAAAAAAAAAAAAAAAAAAAAAAAAAAAAAAAECcAABAnAAAAAAAAAAAAAAAAAAAAAAAAAAAAAAAAAAAAAAAAAAAAABQAAAAAAAAAwMD/AAAAAABkAAAAMgAAAAAAAABkAAAAAAAAAH9/fwAKAAAAIgAAABgAAAAAAAAAAAAAAAAAAAAAAAAAAAAAAAAAAAAkAAAAJAAAAAAAAAAHAAAAAAAAAAAAAAAAAAAAAAAAAAAAAAAAAAAAf39/ACUAAABYAAAAAAAAAAAAAAAAAAAAAAAAAAAAAAAAAAAAAAAAAAAAAAAAAAAAAAAAAAAAAAA/AAAAAAAAAKCGAQAAAAAAAAAAAAAAAAAMAAAAAQAAAAAAAAAAAAAAAAAAAB8AAABUAAAAAAAABQAAAAEAAAAAAAAAAAAAAAAAAAAAAAAAAAAAAAAAAAAAAAAAAAAAAAJ/f38AAAAAA8zMzADAwP8Af39/AAAAAAAAAAAAAAAAAAAAAAAAAAAAIQAAABgAAAAUAAAAoRkAABsnAABfMQAAWSkAABAAAAAmAAAACAAAAAAAAAAAAAAAMAAAABQAAAAAAAAAAAD//wAAAQAAAP//AAABAA=="/>
+                <pr:smNativeData xmlns:pr="smNativeData" xmlns="smNativeData" val="SMDATA_16_jeCHZxMAAAAlAAAAZAAAAA8BAAAAkAAAAEgAAACQAAAASAAAAAAAAAABAAAAAAAAAAEAAABQAAAAAAAAAAAA4D8AAAAAAADgPwAAAAAAAOA/AAAAAAAA4D8AAAAAAADgPwAAAAAAAOA/AAAAAAAA4D8AAAAAAADgPwAAAAAAAOA/AAAAAAAA4D8CAAAAjAAAAAAAAAAAAAAAu+DjDP///wgAAAAAAAAAAAAAAAAAAAAAAAAAAAAAAAAAAAAAZAAAAAEAAABAAAAAAAAAAAAAAAAAAAAAAAAAAAAAAAAAAAAAAAAAAAAAAAAAAAAAAAAAAAAAAAAAAAAAAAAAAAAAAAAAAAAAAAAAAAAAAAAAAAAAAAAAAAAAAAAAAAAAFAAAADwAAAAAAAAAAAAAAAAAAAkUAAAAAQAAABQAAAAUAAAAFAAAAAEAAAAAAAAAZAAAAGQAAAAAAAAAZAAAAGQAAAAVAAAAYAAAAAAAAAAAAAAADwAAACADAAAAAAAAAAAAAAEAAACgMgAAVgcAAKr4//8BAAAAf39/AAEAAABkAAAAAAAAABQAAABAHwAAAAAAACYAAAAAAAAAwOD//wAAAAAmAAAAZAAAABYAAABMAAAAAAAAAAAAAAAEAAAAAAAAAAEAAACAgIAKAAAAACgAAAAoAAAAZAAAAGQAAAAAAAAAzMzMAAAAAABQAAAAUAAAAGQAAABkAAAAAAAAABcAAAAUAAAAAAAAAAAAAAD/fwAA/38AAAAAAAAJAAAABAAAAAAAAAAeAAAAaAAAAAAAAAAAAAAAAAAAAAAAAAAAAAAAECcAABAnAAAAAAAAAAAAAAAAAAAAAAAAAAAAAAAAAAAAAAAAAAAAABQAAAAAAAAAwMD/AAAAAABkAAAAMgAAAAAAAABkAAAAAAAAAH9/fwAKAAAAIgAAABgAAAAAAAAAAAAAAAAAAAAAAAAAAAAAAAAAAAAkAAAAJAAAAAAAAAAHAAAAAAAAAAAAAAAAAAAAAAAAAAAAAAAAAAAAf39/ACUAAABYAAAAAAAAAAAAAAAAAAAAAAAAAAAAAAAAAAAAAAAAAAAAAAAAAAAAAAAAAAAAAAA/AAAAAAAAAKCGAQAAAAAAAAAAAAAAAAAMAAAAAQAAAAAAAAAAAAAAAAAAAB8AAABUAAAAAAAABQAAAAEAAAAAAAAAAAAAAAAAAAAAAAAAAAAAAAAAAAAAAAAAAAAAAAJ/f38AAAAAA8zMzADAwP8Af39/AAAAAAAAAAAAAAAAAAAAAAAAAAAAIQAAABgAAAAUAAAAoRkAABsnAABfMQAAWSkAABAAAAAmAAAACAAAAAAAAAAAAAAAMAAAABQAAAAAAAAAAAD//wAAAQAAAP//AAABAA=="/>
               </a:ext>
             </a:extLst>
           </p:cNvSpPr>
@@ -2150,7 +2150,7 @@
             <a:spLocks noGrp="1" noChangeArrowheads="1"/>
             <a:extLst>
               <a:ext uri="smNativeData">
-                <pr:smNativeData xmlns:pr="smNativeData" xmlns="smNativeData" val="SMDATA_16_a8OGZxMAAAAlAAAAZAAAAA8BAAAAkAAAAEgAAACQAAAASAAAAAAAAAABAAAAAAAAAAEAAABQAAAAAAAAAAAA4D8AAAAAAADgPwAAAAAAAOA/AAAAAAAA4D8AAAAAAADgPwAAAAAAAOA/AAAAAAAA4D8AAAAAAADgPwAAAAAAAOA/AAAAAAAA4D8CAAAAjAAAAAAAAAAAAAAAu+DjDP///wgAAAAAAAAAAAAAAAAAAAAAAAAAAAAAAAAAAAAAZAAAAAEAAABAAAAAAAAAAAAAAAAAAAAAAAAAAAAAAAAAAAAAAAAAAAAAAAAAAAAAAAAAAAAAAAAAAAAAAAAAAAAAAAAAAAAAAAAAAAAAAAAAAAAAAAAAAAAAAAAAAAAAFAAAADwAAAAAAAAAAAAAAAAAAAkUAAAAAQAAABQAAAAUAAAAFAAAAAEAAAAAAAAAZAAAAGQAAAAAAAAAZAAAAGQAAAAVAAAAYAAAAAAAAAAAAAAADwAAACADAAAAAAAAAAAAAAEAAACgMgAAVgcAAKr4//8BAAAAf39/AAEAAABkAAAAAAAAABQAAABAHwAAAAAAACYAAAAAAAAAwOD//wAAAAAmAAAAZAAAABYAAABMAAAAAAAAAAAAAAAEAAAAAAAAAAEAAACAgIAKAAAAACgAAAAoAAAAZAAAAGQAAAAAAAAAzMzMAAAAAABQAAAAUAAAAGQAAABkAAAAAAAAABcAAAAUAAAAAAAAAAAAAAD/fwAA/38AAAAAAAAJAAAABAAAAAAAAAAeAAAAaAAAAAAAAAAAAAAAAAAAAAAAAAAAAAAAECcAABAnAAAAAAAAAAAAAAAAAAAAAAAAAAAAAAAAAAAAAAAAAAAAABQAAAAAAAAAwMD/AAAAAABkAAAAMgAAAAAAAABkAAAAAAAAAH9/fwAKAAAAIgAAABgAAAAAAAAAAAAAAAAAAAAAAAAAAAAAAAAAAAAkAAAAJAAAAAAAAAAHAAAAAAAAAAAAAAAAAAAAAAAAAAAAAAAAAAAAf39/ACUAAABYAAAAAAAAAAAAAAAAAAAAAAAAAAAAAAAAAAAAAAAAAAAAAAAAAAAAAAAAAAAAAAA/AAAAAAAAAKCGAQAAAAAAAAAAAAAAAAAMAAAAAQAAAAAAAAAAAAAAAAAAAB8AAABUAAAAAAAABQAAAAEAAAAAAAAAAAAAAAAAAAAAAAAAAAAAAAAAAAAAAAAAAAAAAAJ/f38AAAAAA8zMzADAwP8Af39/AAAAAAAAAAAAAAAAAAAAAAAAAAAAIQAAABgAAAAUAAAAwTUAABsnAABARwAAWSkAABAAAAAmAAAACAAAAAAAAAAAAAAAMAAAABQAAAAAAAAAAAD//wAAAQAAAP//AAABAA=="/>
+                <pr:smNativeData xmlns:pr="smNativeData" xmlns="smNativeData" val="SMDATA_16_jeCHZxMAAAAlAAAAZAAAAA8BAAAAkAAAAEgAAACQAAAASAAAAAAAAAABAAAAAAAAAAEAAABQAAAAAAAAAAAA4D8AAAAAAADgPwAAAAAAAOA/AAAAAAAA4D8AAAAAAADgPwAAAAAAAOA/AAAAAAAA4D8AAAAAAADgPwAAAAAAAOA/AAAAAAAA4D8CAAAAjAAAAAAAAAAAAAAAu+DjDP///wgAAAAAAAAAAAAAAAAAAAAAAAAAAAAAAAAAAAAAZAAAAAEAAABAAAAAAAAAAAAAAAAAAAAAAAAAAAAAAAAAAAAAAAAAAAAAAAAAAAAAAAAAAAAAAAAAAAAAAAAAAAAAAAAAAAAAAAAAAAAAAAAAAAAAAAAAAAAAAAAAAAAAFAAAADwAAAAAAAAAAAAAAAAAAAkUAAAAAQAAABQAAAAUAAAAFAAAAAEAAAAAAAAAZAAAAGQAAAAAAAAAZAAAAGQAAAAVAAAAYAAAAAAAAAAAAAAADwAAACADAAAAAAAAAAAAAAEAAACgMgAAVgcAAKr4//8BAAAAf39/AAEAAABkAAAAAAAAABQAAABAHwAAAAAAACYAAAAAAAAAwOD//wAAAAAmAAAAZAAAABYAAABMAAAAAAAAAAAAAAAEAAAAAAAAAAEAAACAgIAKAAAAACgAAAAoAAAAZAAAAGQAAAAAAAAAzMzMAAAAAABQAAAAUAAAAGQAAABkAAAAAAAAABcAAAAUAAAAAAAAAAAAAAD/fwAA/38AAAAAAAAJAAAABAAAAAAAAAAeAAAAaAAAAAAAAAAAAAAAAAAAAAAAAAAAAAAAECcAABAnAAAAAAAAAAAAAAAAAAAAAAAAAAAAAAAAAAAAAAAAAAAAABQAAAAAAAAAwMD/AAAAAABkAAAAMgAAAAAAAABkAAAAAAAAAH9/fwAKAAAAIgAAABgAAAAAAAAAAAAAAAAAAAAAAAAAAAAAAAAAAAAkAAAAJAAAAAAAAAAHAAAAAAAAAAAAAAAAAAAAAAAAAAAAAAAAAAAAf39/ACUAAABYAAAAAAAAAAAAAAAAAAAAAAAAAAAAAAAAAAAAAAAAAAAAAAAAAAAAAAAAAAAAAAA/AAAAAAAAAKCGAQAAAAAAAAAAAAAAAAAMAAAAAQAAAAAAAAAAAAAAAAAAAB8AAABUAAAAAAAABQAAAAEAAAAAAAAAAAAAAAAAAAAAAAAAAAAAAAAAAAAAAAAAAAAAAAJ/f38AAAAAA8zMzADAwP8Af39/AAAAAAAAAAAAAAAAAAAAAAAAAAAAIQAAABgAAAAUAAAAwTUAABsnAABARwAAWSkAABAAAAAmAAAACAAAAAAAAAAAAAAAMAAAABQAAAAAAAAAAAD//wAAAQAAAP//AAABAA=="/>
               </a:ext>
             </a:extLst>
           </p:cNvSpPr>
@@ -2164,7 +2164,7 @@
           <a:lstStyle/>
           <a:p>
             <a:pPr/>
-            <a:fld id="{3C729AF6-B8D1-276C-9FCA-4E39D484691B}" type="slidenum">
+            <a:fld id="{3D258377-39D0-7075-9E9D-CF20CDD3689A}" type="slidenum">
               <a:t/>
             </a:fld>
           </a:p>
@@ -2203,7 +2203,7 @@
             <a:spLocks noGrp="1" noChangeArrowheads="1"/>
             <a:extLst>
               <a:ext uri="smNativeData">
-                <pr:smNativeData xmlns:pr="smNativeData" xmlns="smNativeData" val="SMDATA_16_a8OGZxMAAAAlAAAAZAAAAA8BAAAAkAAAAEgAAACQAAAASAAAAAAAAAACAAAAAAAAAAEAAABQAAAAAAAAAAAA4D8AAAAAAADgPwAAAAAAAOA/AAAAAAAA4D8AAAAAAADgPwAAAAAAAOA/AAAAAAAA4D8AAAAAAADgPwAAAAAAAOA/AAAAAAAA4D8CAAAAjAAAAAAAAAAAAAAAu+DjDP///wgAAAAAAAAAAAAAAAAAAAAAAAAAAAAAAAAAAAAAZAAAAAEAAABAAAAAAAAAAAAAAAAAAAAAAAAAAAAAAAAAAAAAAAAAAAAAAAAAAAAAAAAAAAAAAAAAAAAAAAAAAAAAAAAAAAAAAAAAAAAAAAAAAAAAAAAAAAAAAAAAAAAAFAAAADwAAAAAAAAAAAAAAAAAAAkUAAAAAQAAABQAAAAUAAAAFAAAAAEAAAAAAAAAZAAAAGQAAAAAAAAAZAAAAGQAAAAVAAAAYAAAAAAAAAAAAAAADwAAACADAAAAAAAAAAAAAAEAAACgMgAAVgcAAKr4//8BAAAAf39/AAEAAABkAAAAAAAAABQAAABAHwAAAAAAACYAAAAAAAAAwOD//wAAAAAmAAAAZAAAABYAAABMAAAAAAAAAAAAAAAEAAAAAAAAAAEAAACAgIAKAAAAACgAAAAoAAAAZAAAAGQAAAAAAAAAzMzMAAAAAABQAAAAUAAAAGQAAABkAAAAAAAAABcAAAAUAAAAAAAAAAAAAAD/fwAA/38AAAAAAAAJAAAABAAAAAAAAAAeAAAAaAAAAAAAAAAAAAAAAAAAAAAAAAAAAAAAECcAABAnAAAAAAAAAAAAAAAAAAAAAAAAAAAAAAAAAAAAAAAAAAAAABQAAAAAAAAAwMD/AAAAAABkAAAAMgAAAAAAAABkAAAAAAAAAH9/fwAKAAAAIgAAABgAAAAAAAAAAAAAAAAAAAAAAAAAAAAAAAAAAAAkAAAAJAAAAAAAAAAHAAAAAAAAAAAAAAAAAAAAAAAAAAAAAAAAAAAAf39/ACUAAABYAAAAAAAAAAAAAAAAAAAAAAAAAAAAAAAAAAAAAAAAAAAAAAAAAAAAAAAAAAAAAAA/AAAAAAAAAKCGAQAAAAAAAAAAAAAAAAAMAAAAAQAAAAAAAAAAAAAAAAAAAB8AAABUAAAAAAAABQAAAAEAAAAAAAAAAAAAAAAAAAAAAAAAAAAAAAAAAAAAAAAAAAAAAAJ/f38AAAAAA8zMzADAwP8Af39/AAAAAAAAAAAAAAAAAAAAAAAAAAAAIQAAABgAAAAUAAAAwAMAAK4BAABtHAAA1AgAABAAAAAmAAAACAAAAIGAAAAAAAAAMAAAABQAAAAAAAAAAAD//wAAAQAAAP//AAABAA=="/>
+                <pr:smNativeData xmlns:pr="smNativeData" xmlns="smNativeData" val="SMDATA_16_jeCHZxMAAAAlAAAAZAAAAA8BAAAAkAAAAEgAAACQAAAASAAAAAAAAAACAAAAAAAAAAEAAABQAAAAAAAAAAAA4D8AAAAAAADgPwAAAAAAAOA/AAAAAAAA4D8AAAAAAADgPwAAAAAAAOA/AAAAAAAA4D8AAAAAAADgPwAAAAAAAOA/AAAAAAAA4D8CAAAAjAAAAAAAAAAAAAAAu+DjDP///wgAAAAAAAAAAAAAAAAAAAAAAAAAAAAAAAAAAAAAZAAAAAEAAABAAAAAAAAAAAAAAAAAAAAAAAAAAAAAAAAAAAAAAAAAAAAAAAAAAAAAAAAAAAAAAAAAAAAAAAAAAAAAAAAAAAAAAAAAAAAAAAAAAAAAAAAAAAAAAAAAAAAAFAAAADwAAAAAAAAAAAAAAAAAAAkUAAAAAQAAABQAAAAUAAAAFAAAAAEAAAAAAAAAZAAAAGQAAAAAAAAAZAAAAGQAAAAVAAAAYAAAAAAAAAAAAAAADwAAACADAAAAAAAAAAAAAAEAAACgMgAAVgcAAKr4//8BAAAAf39/AAEAAABkAAAAAAAAABQAAABAHwAAAAAAACYAAAAAAAAAwOD//wAAAAAmAAAAZAAAABYAAABMAAAAAAAAAAAAAAAEAAAAAAAAAAEAAACAgIAKAAAAACgAAAAoAAAAZAAAAGQAAAAAAAAAzMzMAAAAAABQAAAAUAAAAGQAAABkAAAAAAAAABcAAAAUAAAAAAAAAAAAAAD/fwAA/38AAAAAAAAJAAAABAAAAAAAAAAeAAAAaAAAAAAAAAAAAAAAAAAAAAAAAAAAAAAAECcAABAnAAAAAAAAAAAAAAAAAAAAAAAAAAAAAAAAAAAAAAAAAAAAABQAAAAAAAAAwMD/AAAAAABkAAAAMgAAAAAAAABkAAAAAAAAAH9/fwAKAAAAIgAAABgAAAAAAAAAAAAAAAAAAAAAAAAAAAAAAAAAAAAkAAAAJAAAAAAAAAAHAAAAAAAAAAAAAAAAAAAAAAAAAAAAAAAAAAAAf39/ACUAAABYAAAAAAAAAAAAAAAAAAAAAAAAAAAAAAAAAAAAAAAAAAAAAAAAAAAAAAAAAAAAAAA/AAAAAAAAAKCGAQAAAAAAAAAAAAAAAAAMAAAAAQAAAAAAAAAAAAAAAAAAAB8AAABUAAAAAAAABQAAAAEAAAAAAAAAAAAAAAAAAAAAAAAAAAAAAAAAAAAAAAAAAAAAAAJ/f38AAAAAA8zMzADAwP8Af39/AAAAAAAAAAAAAAAAAAAAAAAAAAAAIQAAABgAAAAUAAAAwAMAAK4BAABtHAAA1AgAABAAAAAmAAAACAAAAIGAAAAAAAAAMAAAABQAAAAAAAAAAAD//wAAAQAAAP//AAABAA=="/>
               </a:ext>
             </a:extLst>
           </p:cNvSpPr>
@@ -2243,7 +2243,7 @@
             <a:spLocks noGrp="1" noChangeArrowheads="1"/>
             <a:extLst>
               <a:ext uri="smNativeData">
-                <pr:smNativeData xmlns:pr="smNativeData" xmlns="smNativeData" val="SMDATA_16_a8OGZxMAAAAlAAAAZAAAAA8BAAAAkAAAAEgAAACQAAAASAAAAAAAAAAAAAAAAAAAAAEAAABQAAAAAAAAAAAA4D8AAAAAAADgPwAAAAAAAOA/AAAAAAAA4D8AAAAAAADgPwAAAAAAAOA/AAAAAAAA4D8AAAAAAADgPwAAAAAAAOA/AAAAAAAA4D8CAAAAjAAAAAAAAAAAAAAAu+DjDP///wgAAAAAAAAAAAAAAAAAAAAAAAAAAAAAAAAAAAAAZAAAAAEAAABAAAAAAAAAAAAAAAAAAAAAAAAAAAAAAAAAAAAAAAAAAAAAAAAAAAAAAAAAAAAAAAAAAAAAAAAAAAAAAAAAAAAAAAAAAAAAAAAAAAAAAAAAAAAAAAAAAAAAFAAAADwAAAAAAAAAAAAAAAAAAAkUAAAAAQAAABQAAAAUAAAAFAAAAAEAAAAAAAAAZAAAAGQAAAAAAAAAZAAAAGQAAAAVAAAAYAAAAAAAAAAAAAAADwAAACADAAAAAAAAAAAAAAEAAACgMgAAVgcAAKr4//8BAAAAf39/AAEAAABkAAAAAAAAABQAAABAHwAAAAAAACYAAAAAAAAAwOD//wAAAAAmAAAAZAAAABYAAABMAAAAAAAAAAAAAAAEAAAAAAAAAAEAAACAgIAKAAAAACgAAAAoAAAAZAAAAGQAAAAAAAAAzMzMAAAAAABQAAAAUAAAAGQAAABkAAAAAAAAABcAAAAUAAAAAAAAAAAAAAD/fwAA/38AAAAAAAAJAAAABAAAAAAAAAAeAAAAaAAAAAAAAAAAAAAAAAAAAAAAAAAAAAAAECcAABAnAAAAAAAAAAAAAAAAAAAAAAAAAAAAAAAAAAAAAAAAAAAAABQAAAAAAAAAwMD/AAAAAABkAAAAMgAAAAAAAABkAAAAAAAAAH9/fwAKAAAAIgAAABgAAAAAAAAAAAAAAAAAAAAAAAAAAAAAAAAAAAAkAAAAJAAAAAAAAAAHAAAAAAAAAAAAAAAAAAAAAAAAAAAAAAAAAAAAf39/ACUAAABYAAAAAAAAAAAAAAAAAAAAAAAAAAAAAAAAAAAAAAAAAAAAAAAAAAAAAAAAAAAAAAA/AAAAAAAAAKCGAQAAAAAAAAAAAAAAAAAMAAAAAQAAAAAAAAAAAAAAAAAAAB8AAABUAAAAAAAABQAAAAEAAAAAAAAAAAAAAAAAAAAAAAAAAAAAAAAAAAAAAAAAAAAAAAJ/f38AAAAAA8zMzADAwP8Af39/AAAAAAAAAAAAAAAAAAAAAAAAAAAAIQAAABgAAAAUAAAAUx0AAK4BAABARwAAsCUAABAAAAAmAAAACAAAAAGAAAAAAAAAMAAAABQAAAAAAAAAAAD//wAAAQAAAP//AAABAA=="/>
+                <pr:smNativeData xmlns:pr="smNativeData" xmlns="smNativeData" val="SMDATA_16_jeCHZxMAAAAlAAAAZAAAAA8BAAAAkAAAAEgAAACQAAAASAAAAAAAAAAAAAAAAAAAAAEAAABQAAAAAAAAAAAA4D8AAAAAAADgPwAAAAAAAOA/AAAAAAAA4D8AAAAAAADgPwAAAAAAAOA/AAAAAAAA4D8AAAAAAADgPwAAAAAAAOA/AAAAAAAA4D8CAAAAjAAAAAAAAAAAAAAAu+DjDP///wgAAAAAAAAAAAAAAAAAAAAAAAAAAAAAAAAAAAAAZAAAAAEAAABAAAAAAAAAAAAAAAAAAAAAAAAAAAAAAAAAAAAAAAAAAAAAAAAAAAAAAAAAAAAAAAAAAAAAAAAAAAAAAAAAAAAAAAAAAAAAAAAAAAAAAAAAAAAAAAAAAAAAFAAAADwAAAAAAAAAAAAAAAAAAAkUAAAAAQAAABQAAAAUAAAAFAAAAAEAAAAAAAAAZAAAAGQAAAAAAAAAZAAAAGQAAAAVAAAAYAAAAAAAAAAAAAAADwAAACADAAAAAAAAAAAAAAEAAACgMgAAVgcAAKr4//8BAAAAf39/AAEAAABkAAAAAAAAABQAAABAHwAAAAAAACYAAAAAAAAAwOD//wAAAAAmAAAAZAAAABYAAABMAAAAAAAAAAAAAAAEAAAAAAAAAAEAAACAgIAKAAAAACgAAAAoAAAAZAAAAGQAAAAAAAAAzMzMAAAAAABQAAAAUAAAAGQAAABkAAAAAAAAABcAAAAUAAAAAAAAAAAAAAD/fwAA/38AAAAAAAAJAAAABAAAAAAAAAAeAAAAaAAAAAAAAAAAAAAAAAAAAAAAAAAAAAAAECcAABAnAAAAAAAAAAAAAAAAAAAAAAAAAAAAAAAAAAAAAAAAAAAAABQAAAAAAAAAwMD/AAAAAABkAAAAMgAAAAAAAABkAAAAAAAAAH9/fwAKAAAAIgAAABgAAAAAAAAAAAAAAAAAAAAAAAAAAAAAAAAAAAAkAAAAJAAAAAAAAAAHAAAAAAAAAAAAAAAAAAAAAAAAAAAAAAAAAAAAf39/ACUAAABYAAAAAAAAAAAAAAAAAAAAAAAAAAAAAAAAAAAAAAAAAAAAAAAAAAAAAAAAAAAAAAA/AAAAAAAAAKCGAQAAAAAAAAAAAAAAAAAMAAAAAQAAAAAAAAAAAAAAAAAAAB8AAABUAAAAAAAABQAAAAEAAAAAAAAAAAAAAAAAAAAAAAAAAAAAAAAAAAAAAAAAAAAAAAJ/f38AAAAAA8zMzADAwP8Af39/AAAAAAAAAAAAAAAAAAAAAAAAAAAAIQAAABgAAAAUAAAAUx0AAK4BAABARwAAsCUAABAAAAAmAAAACAAAAAGAAAAAAAAAMAAAABQAAAAAAAAAAAD//wAAAQAAAP//AAABAA=="/>
               </a:ext>
             </a:extLst>
           </p:cNvSpPr>
@@ -2327,7 +2327,7 @@
             <a:spLocks noGrp="1" noChangeArrowheads="1"/>
             <a:extLst>
               <a:ext uri="smNativeData">
-                <pr:smNativeData xmlns:pr="smNativeData" xmlns="smNativeData" val="SMDATA_16_a8OGZxMAAAAlAAAAZAAAAA8BAAAAkAAAAEgAAACQAAAASAAAAAAAAAAAAAAAAAAAAAEAAABQAAAAAAAAAAAA4D8AAAAAAADgPwAAAAAAAOA/AAAAAAAA4D8AAAAAAADgPwAAAAAAAOA/AAAAAAAA4D8AAAAAAADgPwAAAAAAAOA/AAAAAAAA4D8CAAAAjAAAAAAAAAAAAAAAu+DjDP///wgAAAAAAAAAAAAAAAAAAAAAAAAAAAAAAAAAAAAAZAAAAAEAAABAAAAAAAAAAAAAAAAAAAAAAAAAAAAAAAAAAAAAAAAAAAAAAAAAAAAAAAAAAAAAAAAAAAAAAAAAAAAAAAAAAAAAAAAAAAAAAAAAAAAAAAAAAAAAAAAAAAAAFAAAADwAAAAAAAAAAAAAAAAAAAkUAAAAAQAAABQAAAAUAAAAFAAAAAEAAAAAAAAAZAAAAGQAAAAAAAAAZAAAAGQAAAAVAAAAYAAAAAAAAAAAAAAADwAAACADAAAAAAAAAAAAAAEAAACgMgAAVgcAAKr4//8BAAAAf39/AAEAAABkAAAAAAAAABQAAABAHwAAAAAAACYAAAAAAAAAwOD//wAAAAAmAAAAZAAAABYAAABMAAAAAAAAAAAAAAAEAAAAAAAAAAEAAACAgIAKAAAAACgAAAAoAAAAZAAAAGQAAAAAAAAAzMzMAAAAAABQAAAAUAAAAGQAAABkAAAAAAAAABcAAAAUAAAAAAAAAAAAAAD/fwAA/38AAAAAAAAJAAAABAAAAAAAAAAeAAAAaAAAAAAAAAAAAAAAAAAAAAAAAAAAAAAAECcAABAnAAAAAAAAAAAAAAAAAAAAAAAAAAAAAAAAAAAAAAAAAAAAABQAAAAAAAAAwMD/AAAAAABkAAAAMgAAAAAAAABkAAAAAAAAAH9/fwAKAAAAIgAAABgAAAAAAAAAAAAAAAAAAAAAAAAAAAAAAAAAAAAkAAAAJAAAAAAAAAAHAAAAAAAAAAAAAAAAAAAAAAAAAAAAAAAAAAAAf39/ACUAAABYAAAAAAAAAAAAAAAAAAAAAAAAAAAAAAAAAAAAAAAAAAAAAAAAAAAAAAAAAAAAAAA/AAAAAAAAAKCGAQAAAAAAAAAAAAAAAAAMAAAAAQAAAAAAAAAAAAAAAAAAAB8AAABUAAAAAAAABQAAAAEAAAAAAAAAAAAAAAAAAAAAAAAAAAAAAAAAAAAAAAAAAAAAAAJ/f38AAAAAA8zMzADAwP8Af39/AAAAAAAAAAAAAAAAAAAAAAAAAAAAIQAAABgAAAAUAAAAwAMAANQIAABtHAAAsCUAABAAAAAmAAAACAAAAAGAAAAAAAAAMAAAABQAAAAAAAAAAAD//wAAAQAAAP//AAABAA=="/>
+                <pr:smNativeData xmlns:pr="smNativeData" xmlns="smNativeData" val="SMDATA_16_jeCHZxMAAAAlAAAAZAAAAA8BAAAAkAAAAEgAAACQAAAASAAAAAAAAAAAAAAAAAAAAAEAAABQAAAAAAAAAAAA4D8AAAAAAADgPwAAAAAAAOA/AAAAAAAA4D8AAAAAAADgPwAAAAAAAOA/AAAAAAAA4D8AAAAAAADgPwAAAAAAAOA/AAAAAAAA4D8CAAAAjAAAAAAAAAAAAAAAu+DjDP///wgAAAAAAAAAAAAAAAAAAAAAAAAAAAAAAAAAAAAAZAAAAAEAAABAAAAAAAAAAAAAAAAAAAAAAAAAAAAAAAAAAAAAAAAAAAAAAAAAAAAAAAAAAAAAAAAAAAAAAAAAAAAAAAAAAAAAAAAAAAAAAAAAAAAAAAAAAAAAAAAAAAAAFAAAADwAAAAAAAAAAAAAAAAAAAkUAAAAAQAAABQAAAAUAAAAFAAAAAEAAAAAAAAAZAAAAGQAAAAAAAAAZAAAAGQAAAAVAAAAYAAAAAAAAAAAAAAADwAAACADAAAAAAAAAAAAAAEAAACgMgAAVgcAAKr4//8BAAAAf39/AAEAAABkAAAAAAAAABQAAABAHwAAAAAAACYAAAAAAAAAwOD//wAAAAAmAAAAZAAAABYAAABMAAAAAAAAAAAAAAAEAAAAAAAAAAEAAACAgIAKAAAAACgAAAAoAAAAZAAAAGQAAAAAAAAAzMzMAAAAAABQAAAAUAAAAGQAAABkAAAAAAAAABcAAAAUAAAAAAAAAAAAAAD/fwAA/38AAAAAAAAJAAAABAAAAAAAAAAeAAAAaAAAAAAAAAAAAAAAAAAAAAAAAAAAAAAAECcAABAnAAAAAAAAAAAAAAAAAAAAAAAAAAAAAAAAAAAAAAAAAAAAABQAAAAAAAAAwMD/AAAAAABkAAAAMgAAAAAAAABkAAAAAAAAAH9/fwAKAAAAIgAAABgAAAAAAAAAAAAAAAAAAAAAAAAAAAAAAAAAAAAkAAAAJAAAAAAAAAAHAAAAAAAAAAAAAAAAAAAAAAAAAAAAAAAAAAAAf39/ACUAAABYAAAAAAAAAAAAAAAAAAAAAAAAAAAAAAAAAAAAAAAAAAAAAAAAAAAAAAAAAAAAAAA/AAAAAAAAAKCGAQAAAAAAAAAAAAAAAAAMAAAAAQAAAAAAAAAAAAAAAAAAAB8AAABUAAAAAAAABQAAAAEAAAAAAAAAAAAAAAAAAAAAAAAAAAAAAAAAAAAAAAAAAAAAAAJ/f38AAAAAA8zMzADAwP8Af39/AAAAAAAAAAAAAAAAAAAAAAAAAAAAIQAAABgAAAAUAAAAwAMAANQIAABtHAAAsCUAABAAAAAmAAAACAAAAAGAAAAAAAAAMAAAABQAAAAAAAAAAAD//wAAAQAAAP//AAABAA=="/>
               </a:ext>
             </a:extLst>
           </p:cNvSpPr>
@@ -2396,7 +2396,7 @@
             <a:spLocks noGrp="1" noChangeArrowheads="1"/>
             <a:extLst>
               <a:ext uri="smNativeData">
-                <pr:smNativeData xmlns:pr="smNativeData" xmlns="smNativeData" val="SMDATA_16_a8OGZxMAAAAlAAAAZAAAAA8BAAAAkAAAAEgAAACQAAAASAAAAAAAAAABAAAAAAAAAAEAAABQAAAAAAAAAAAA4D8AAAAAAADgPwAAAAAAAOA/AAAAAAAA4D8AAAAAAADgPwAAAAAAAOA/AAAAAAAA4D8AAAAAAADgPwAAAAAAAOA/AAAAAAAA4D8CAAAAjAAAAAAAAAAAAAAAu+DjDP///wgAAAAAAAAAAAAAAAAAAAAAAAAAAAAAAAAAAAAAZAAAAAEAAABAAAAAAAAAAAAAAAAAAAAAAAAAAAAAAAAAAAAAAAAAAAAAAAAAAAAAAAAAAAAAAAAAAAAAAAAAAAAAAAAAAAAAAAAAAAAAAAAAAAAAAAAAAAAAAAAAAAAAFAAAADwAAAAAAAAAAAAAAAAAAAkUAAAAAQAAABQAAAAUAAAAFAAAAAEAAAAAAAAAZAAAAGQAAAAAAAAAZAAAAGQAAAAVAAAAYAAAAAAAAAAAAAAADwAAACADAAAAAAAAAAAAAAEAAACgMgAAVgcAAKr4//8BAAAAf39/AAEAAABkAAAAAAAAABQAAABAHwAAAAAAACYAAAAAAAAAwOD//wAAAAAmAAAAZAAAABYAAABMAAAAAAAAAAAAAAAEAAAAAAAAAAEAAACAgIAKAAAAACgAAAAoAAAAZAAAAGQAAAAAAAAAzMzMAAAAAABQAAAAUAAAAGQAAABkAAAAAAAAABcAAAAUAAAAAAAAAAAAAAD/fwAA/38AAAAAAAAJAAAABAAAAAAAAAAeAAAAaAAAAAAAAAAAAAAAAAAAAAAAAAAAAAAAECcAABAnAAAAAAAAAAAAAAAAAAAAAAAAAAAAAAAAAAAAAAAAAAAAABQAAAAAAAAAwMD/AAAAAABkAAAAMgAAAAAAAABkAAAAAAAAAH9/fwAKAAAAIgAAABgAAAAAAAAAAAAAAAAAAAAAAAAAAAAAAAAAAAAkAAAAJAAAAAAAAAAHAAAAAAAAAAAAAAAAAAAAAAAAAAAAAAAAAAAAf39/ACUAAABYAAAAAAAAAAAAAAAAAAAAAAAAAAAAAAAAAAAAAAAAAAAAAAAAAAAAAAAAAAAAAAA/AAAAAAAAAKCGAQAAAAAAAAAAAAAAAAAMAAAAAQAAAAAAAAAAAAAAAAAAAB8AAABUAAAAAAAABQAAAAEAAAAAAAAAAAAAAAAAAAAAAAAAAAAAAAAAAAAAAAAAAAAAAAJ/f38AAAAAA8zMzADAwP8Af39/AAAAAAAAAAAAAAAAAAAAAAAAAAAAIQAAABgAAAAUAAAAwAMAABsnAAA/FQAAWSkAABAAAAAmAAAACAAAAAAAAAAAAAAAMAAAABQAAAAAAAAAAAD//wAAAQAAAP//AAABAA=="/>
+                <pr:smNativeData xmlns:pr="smNativeData" xmlns="smNativeData" val="SMDATA_16_jeCHZxMAAAAlAAAAZAAAAA8BAAAAkAAAAEgAAACQAAAASAAAAAAAAAABAAAAAAAAAAEAAABQAAAAAAAAAAAA4D8AAAAAAADgPwAAAAAAAOA/AAAAAAAA4D8AAAAAAADgPwAAAAAAAOA/AAAAAAAA4D8AAAAAAADgPwAAAAAAAOA/AAAAAAAA4D8CAAAAjAAAAAAAAAAAAAAAu+DjDP///wgAAAAAAAAAAAAAAAAAAAAAAAAAAAAAAAAAAAAAZAAAAAEAAABAAAAAAAAAAAAAAAAAAAAAAAAAAAAAAAAAAAAAAAAAAAAAAAAAAAAAAAAAAAAAAAAAAAAAAAAAAAAAAAAAAAAAAAAAAAAAAAAAAAAAAAAAAAAAAAAAAAAAFAAAADwAAAAAAAAAAAAAAAAAAAkUAAAAAQAAABQAAAAUAAAAFAAAAAEAAAAAAAAAZAAAAGQAAAAAAAAAZAAAAGQAAAAVAAAAYAAAAAAAAAAAAAAADwAAACADAAAAAAAAAAAAAAEAAACgMgAAVgcAAKr4//8BAAAAf39/AAEAAABkAAAAAAAAABQAAABAHwAAAAAAACYAAAAAAAAAwOD//wAAAAAmAAAAZAAAABYAAABMAAAAAAAAAAAAAAAEAAAAAAAAAAEAAACAgIAKAAAAACgAAAAoAAAAZAAAAGQAAAAAAAAAzMzMAAAAAABQAAAAUAAAAGQAAABkAAAAAAAAABcAAAAUAAAAAAAAAAAAAAD/fwAA/38AAAAAAAAJAAAABAAAAAAAAAAeAAAAaAAAAAAAAAAAAAAAAAAAAAAAAAAAAAAAECcAABAnAAAAAAAAAAAAAAAAAAAAAAAAAAAAAAAAAAAAAAAAAAAAABQAAAAAAAAAwMD/AAAAAABkAAAAMgAAAAAAAABkAAAAAAAAAH9/fwAKAAAAIgAAABgAAAAAAAAAAAAAAAAAAAAAAAAAAAAAAAAAAAAkAAAAJAAAAAAAAAAHAAAAAAAAAAAAAAAAAAAAAAAAAAAAAAAAAAAAf39/ACUAAABYAAAAAAAAAAAAAAAAAAAAAAAAAAAAAAAAAAAAAAAAAAAAAAAAAAAAAAAAAAAAAAA/AAAAAAAAAKCGAQAAAAAAAAAAAAAAAAAMAAAAAQAAAAAAAAAAAAAAAAAAAB8AAABUAAAAAAAABQAAAAEAAAAAAAAAAAAAAAAAAAAAAAAAAAAAAAAAAAAAAAAAAAAAAAJ/f38AAAAAA8zMzADAwP8Af39/AAAAAAAAAAAAAAAAAAAAAAAAAAAAIQAAABgAAAAUAAAAwAMAABsnAAA/FQAAWSkAABAAAAAmAAAACAAAAAAAAAAAAAAAMAAAABQAAAAAAAAAAAD//wAAAQAAAP//AAABAA=="/>
               </a:ext>
             </a:extLst>
           </p:cNvSpPr>
@@ -2410,7 +2410,7 @@
           <a:lstStyle/>
           <a:p>
             <a:pPr/>
-            <a:fld id="{3C728675-3BD1-2770-9FCA-CD25C8846998}" type="datetime1">
+            <a:fld id="{3D25E23D-73D0-7014-9E9D-8541ACD368D0}" type="datetime1">
               <a:t/>
             </a:fld>
           </a:p>
@@ -2423,7 +2423,7 @@
             <a:spLocks noGrp="1" noChangeArrowheads="1"/>
             <a:extLst>
               <a:ext uri="smNativeData">
-                <pr:smNativeData xmlns:pr="smNativeData" xmlns="smNativeData" val="SMDATA_16_a8OGZxMAAAAlAAAAZAAAAA8BAAAAkAAAAEgAAACQAAAASAAAAAAAAAABAAAAAAAAAAEAAABQAAAAAAAAAAAA4D8AAAAAAADgPwAAAAAAAOA/AAAAAAAA4D8AAAAAAADgPwAAAAAAAOA/AAAAAAAA4D8AAAAAAADgPwAAAAAAAOA/AAAAAAAA4D8CAAAAjAAAAAAAAAAAAAAAu+DjDP///wgAAAAAAAAAAAAAAAAAAAAAAAAAAAAAAAAAAAAAZAAAAAEAAABAAAAAAAAAAAAAAAAAAAAAAAAAAAAAAAAAAAAAAAAAAAAAAAAAAAAAAAAAAAAAAAAAAAAAAAAAAAAAAAAAAAAAAAAAAAAAAAAAAAAAAAAAAAAAAAAAAAAAFAAAADwAAAAAAAAAAAAAAAAAAAkUAAAAAQAAABQAAAAUAAAAFAAAAAEAAAAAAAAAZAAAAGQAAAAAAAAAZAAAAGQAAAAVAAAAYAAAAAAAAAAAAAAADwAAACADAAAAAAAAAAAAAAEAAACgMgAAVgcAAKr4//8BAAAAf39/AAEAAABkAAAAAAAAABQAAABAHwAAAAAAACYAAAAAAAAAwOD//wAAAAAmAAAAZAAAABYAAABMAAAAAAAAAAAAAAAEAAAAAAAAAAEAAACAgIAKAAAAACgAAAAoAAAAZAAAAGQAAAAAAAAAzMzMAAAAAABQAAAAUAAAAGQAAABkAAAAAAAAABcAAAAUAAAAAAAAAAAAAAD/fwAA/38AAAAAAAAJAAAABAAAAHNwY0IeAAAAaAAAAAAAAAAAAAAAAAAAAAAAAAAAAAAAECcAABAnAAAAAAAAAAAAAAAAAAAAAAAAAAAAAAAAAAAAAAAAAAAAABQAAAAAAAAAwMD/AAAAAABkAAAAMgAAAAAAAABkAAAAAAAAAH9/fwAKAAAAIgAAABgAAAAAAAAAAAAAAAAAAAAAAAAAAAAAAAAAAAAkAAAAJAAAAAAAAAAHAAAAAAAAAAAAAAAAAAAAAAAAAAAAAAAAAAAAf39/ACUAAABYAAAAAAAAAAAAAAAAAAAAAAAAAAAAAAAAAAAAAAAAAAAAAAAAAAAAAAAAAAAAAAA/AAAAAAAAAKCGAQAAAAAAAAAAAAAAAAAMAAAAAQAAAAAAAAAAAAAAAAAAAB8AAABUAAAAAAAABQAAAAEAAAAAAAAAAAAAAAAAAAAAAAAAAAAAAAAAAAAAAAAAAAAAAAJ/f38AAAAAA8zMzADAwP8Af39/AAAAAAAAAAAAAAAAAAAAAAAAAAAAIQAAABgAAAAUAAAAoRkAABsnAABfMQAAWSkAABAAAAAmAAAACAAAAAAAAAAAAAAAMAAAABQAAAAAAAAAAAD//wAAAQAAAP//AAABAA=="/>
+                <pr:smNativeData xmlns:pr="smNativeData" xmlns="smNativeData" val="SMDATA_16_jeCHZxMAAAAlAAAAZAAAAA8BAAAAkAAAAEgAAACQAAAASAAAAAAAAAABAAAAAAAAAAEAAABQAAAAAAAAAAAA4D8AAAAAAADgPwAAAAAAAOA/AAAAAAAA4D8AAAAAAADgPwAAAAAAAOA/AAAAAAAA4D8AAAAAAADgPwAAAAAAAOA/AAAAAAAA4D8CAAAAjAAAAAAAAAAAAAAAu+DjDP///wgAAAAAAAAAAAAAAAAAAAAAAAAAAAAAAAAAAAAAZAAAAAEAAABAAAAAAAAAAAAAAAAAAAAAAAAAAAAAAAAAAAAAAAAAAAAAAAAAAAAAAAAAAAAAAAAAAAAAAAAAAAAAAAAAAAAAAAAAAAAAAAAAAAAAAAAAAAAAAAAAAAAAFAAAADwAAAAAAAAAAAAAAAAAAAkUAAAAAQAAABQAAAAUAAAAFAAAAAEAAAAAAAAAZAAAAGQAAAAAAAAAZAAAAGQAAAAVAAAAYAAAAAAAAAAAAAAADwAAACADAAAAAAAAAAAAAAEAAACgMgAAVgcAAKr4//8BAAAAf39/AAEAAABkAAAAAAAAABQAAABAHwAAAAAAACYAAAAAAAAAwOD//wAAAAAmAAAAZAAAABYAAABMAAAAAAAAAAAAAAAEAAAAAAAAAAEAAACAgIAKAAAAACgAAAAoAAAAZAAAAGQAAAAAAAAAzMzMAAAAAABQAAAAUAAAAGQAAABkAAAAAAAAABcAAAAUAAAAAAAAAAAAAAD/fwAA/38AAAAAAAAJAAAABAAAAHNwY0IeAAAAaAAAAAAAAAAAAAAAAAAAAAAAAAAAAAAAECcAABAnAAAAAAAAAAAAAAAAAAAAAAAAAAAAAAAAAAAAAAAAAAAAABQAAAAAAAAAwMD/AAAAAABkAAAAMgAAAAAAAABkAAAAAAAAAH9/fwAKAAAAIgAAABgAAAAAAAAAAAAAAAAAAAAAAAAAAAAAAAAAAAAkAAAAJAAAAAAAAAAHAAAAAAAAAAAAAAAAAAAAAAAAAAAAAAAAAAAAf39/ACUAAABYAAAAAAAAAAAAAAAAAAAAAAAAAAAAAAAAAAAAAAAAAAAAAAAAAAAAAAAAAAAAAAA/AAAAAAAAAKCGAQAAAAAAAAAAAAAAAAAMAAAAAQAAAAAAAAAAAAAAAAAAAB8AAABUAAAAAAAABQAAAAEAAAAAAAAAAAAAAAAAAAAAAAAAAAAAAAAAAAAAAAAAAAAAAAJ/f38AAAAAA8zMzADAwP8Af39/AAAAAAAAAAAAAAAAAAAAAAAAAAAAIQAAABgAAAAUAAAAoRkAABsnAABfMQAAWSkAABAAAAAmAAAACAAAAAAAAAAAAAAAMAAAABQAAAAAAAAAAAD//wAAAQAAAP//AAABAA=="/>
               </a:ext>
             </a:extLst>
           </p:cNvSpPr>
@@ -2447,7 +2447,7 @@
             <a:spLocks noGrp="1" noChangeArrowheads="1"/>
             <a:extLst>
               <a:ext uri="smNativeData">
-                <pr:smNativeData xmlns:pr="smNativeData" xmlns="smNativeData" val="SMDATA_16_a8OGZxMAAAAlAAAAZAAAAA8BAAAAkAAAAEgAAACQAAAASAAAAAAAAAABAAAAAAAAAAEAAABQAAAAAAAAAAAA4D8AAAAAAADgPwAAAAAAAOA/AAAAAAAA4D8AAAAAAADgPwAAAAAAAOA/AAAAAAAA4D8AAAAAAADgPwAAAAAAAOA/AAAAAAAA4D8CAAAAjAAAAAAAAAAAAAAAu+DjDP///wgAAAAAAAAAAAAAAAAAAAAAAAAAAAAAAAAAAAAAZAAAAAEAAABAAAAAAAAAAAAAAAAAAAAAAAAAAAAAAAAAAAAAAAAAAAAAAAAAAAAAAAAAAAAAAAAAAAAAAAAAAAAAAAAAAAAAAAAAAAAAAAAAAAAAAAAAAAAAAAAAAAAAFAAAADwAAAAAAAAAAAAAAAAAAAkUAAAAAQAAABQAAAAUAAAAFAAAAAEAAAAAAAAAZAAAAGQAAAAAAAAAZAAAAGQAAAAVAAAAYAAAAAAAAAAAAAAADwAAACADAAAAAAAAAAAAAAEAAACgMgAAVgcAAKr4//8BAAAAf39/AAEAAABkAAAAAAAAABQAAABAHwAAAAAAACYAAAAAAAAAwOD//wAAAAAmAAAAZAAAABYAAABMAAAAAAAAAAAAAAAEAAAAAAAAAAEAAACAgIAKAAAAACgAAAAoAAAAZAAAAGQAAAAAAAAAzMzMAAAAAABQAAAAUAAAAGQAAABkAAAAAAAAABcAAAAUAAAAAAAAAAAAAAD/fwAA/38AAAAAAAAJAAAABAAAAAAAAAAeAAAAaAAAAAAAAAAAAAAAAAAAAAAAAAAAAAAAECcAABAnAAAAAAAAAAAAAAAAAAAAAAAAAAAAAAAAAAAAAAAAAAAAABQAAAAAAAAAwMD/AAAAAABkAAAAMgAAAAAAAABkAAAAAAAAAH9/fwAKAAAAIgAAABgAAAAAAAAAAAAAAAAAAAAAAAAAAAAAAAAAAAAkAAAAJAAAAAAAAAAHAAAAAAAAAAAAAAAAAAAAAAAAAAAAAAAAAAAAf39/ACUAAABYAAAAAAAAAAAAAAAAAAAAAAAAAAAAAAAAAAAAAAAAAAAAAAAAAAAAAAAAAAAAAAA/AAAAAAAAAKCGAQAAAAAAAAAAAAAAAAAMAAAAAQAAAAAAAAAAAAAAAAAAAB8AAABUAAAAAAAABQAAAAEAAAAAAAAAAAAAAAAAAAAAAAAAAAAAAAAAAAAAAAAAAAAAAAJ/f38AAAAAA8zMzADAwP8Af39/AAAAAAAAAAAAAAAAAAAAAAAAAAAAIQAAABgAAAAUAAAAwTUAABsnAABARwAAWSkAABAAAAAmAAAACAAAAAAAAAAAAAAAMAAAABQAAAAAAAAAAAD//wAAAQAAAP//AAABAA=="/>
+                <pr:smNativeData xmlns:pr="smNativeData" xmlns="smNativeData" val="SMDATA_16_jeCHZxMAAAAlAAAAZAAAAA8BAAAAkAAAAEgAAACQAAAASAAAAAAAAAABAAAAAAAAAAEAAABQAAAAAAAAAAAA4D8AAAAAAADgPwAAAAAAAOA/AAAAAAAA4D8AAAAAAADgPwAAAAAAAOA/AAAAAAAA4D8AAAAAAADgPwAAAAAAAOA/AAAAAAAA4D8CAAAAjAAAAAAAAAAAAAAAu+DjDP///wgAAAAAAAAAAAAAAAAAAAAAAAAAAAAAAAAAAAAAZAAAAAEAAABAAAAAAAAAAAAAAAAAAAAAAAAAAAAAAAAAAAAAAAAAAAAAAAAAAAAAAAAAAAAAAAAAAAAAAAAAAAAAAAAAAAAAAAAAAAAAAAAAAAAAAAAAAAAAAAAAAAAAFAAAADwAAAAAAAAAAAAAAAAAAAkUAAAAAQAAABQAAAAUAAAAFAAAAAEAAAAAAAAAZAAAAGQAAAAAAAAAZAAAAGQAAAAVAAAAYAAAAAAAAAAAAAAADwAAACADAAAAAAAAAAAAAAEAAACgMgAAVgcAAKr4//8BAAAAf39/AAEAAABkAAAAAAAAABQAAABAHwAAAAAAACYAAAAAAAAAwOD//wAAAAAmAAAAZAAAABYAAABMAAAAAAAAAAAAAAAEAAAAAAAAAAEAAACAgIAKAAAAACgAAAAoAAAAZAAAAGQAAAAAAAAAzMzMAAAAAABQAAAAUAAAAGQAAABkAAAAAAAAABcAAAAUAAAAAAAAAAAAAAD/fwAA/38AAAAAAAAJAAAABAAAAAAAAAAeAAAAaAAAAAAAAAAAAAAAAAAAAAAAAAAAAAAAECcAABAnAAAAAAAAAAAAAAAAAAAAAAAAAAAAAAAAAAAAAAAAAAAAABQAAAAAAAAAwMD/AAAAAABkAAAAMgAAAAAAAABkAAAAAAAAAH9/fwAKAAAAIgAAABgAAAAAAAAAAAAAAAAAAAAAAAAAAAAAAAAAAAAkAAAAJAAAAAAAAAAHAAAAAAAAAAAAAAAAAAAAAAAAAAAAAAAAAAAAf39/ACUAAABYAAAAAAAAAAAAAAAAAAAAAAAAAAAAAAAAAAAAAAAAAAAAAAAAAAAAAAAAAAAAAAA/AAAAAAAAAKCGAQAAAAAAAAAAAAAAAAAMAAAAAQAAAAAAAAAAAAAAAAAAAB8AAABUAAAAAAAABQAAAAEAAAAAAAAAAAAAAAAAAAAAAAAAAAAAAAAAAAAAAAAAAAAAAAJ/f38AAAAAA8zMzADAwP8Af39/AAAAAAAAAAAAAAAAAAAAAAAAAAAAIQAAABgAAAAUAAAAwTUAABsnAABARwAAWSkAABAAAAAmAAAACAAAAAAAAAAAAAAAMAAAABQAAAAAAAAAAAD//wAAAQAAAP//AAABAA=="/>
               </a:ext>
             </a:extLst>
           </p:cNvSpPr>
@@ -2461,7 +2461,7 @@
           <a:lstStyle/>
           <a:p>
             <a:pPr/>
-            <a:fld id="{3C72E005-4BD1-2716-9FCA-BD43AE8469E8}" type="slidenum">
+            <a:fld id="{3D25EA4F-01D0-701C-9E9D-F749A4D368A2}" type="slidenum">
               <a:t/>
             </a:fld>
           </a:p>
@@ -2500,7 +2500,7 @@
             <a:spLocks noGrp="1" noChangeArrowheads="1"/>
             <a:extLst>
               <a:ext uri="smNativeData">
-                <pr:smNativeData xmlns:pr="smNativeData" xmlns="smNativeData" val="SMDATA_16_a8OGZxMAAAAlAAAAZAAAAA8BAAAAkAAAAEgAAACQAAAASAAAAAAAAAACAAAAAAAAAAEAAABQAAAAAAAAAAAA4D8AAAAAAADgPwAAAAAAAOA/AAAAAAAA4D8AAAAAAADgPwAAAAAAAOA/AAAAAAAA4D8AAAAAAADgPwAAAAAAAOA/AAAAAAAA4D8CAAAAjAAAAAAAAAAAAAAAu+DjDP///wgAAAAAAAAAAAAAAAAAAAAAAAAAAAAAAAAAAAAAZAAAAAEAAABAAAAAAAAAAAAAAAAAAAAAAAAAAAAAAAAAAAAAAAAAAAAAAAAAAAAAAAAAAAAAAAAAAAAAAAAAAAAAAAAAAAAAAAAAAAAAAAAAAAAAAAAAAAAAAAAAAAAAFAAAADwAAAAAAAAAAAAAAAAAAAkUAAAAAQAAABQAAAAUAAAAFAAAAAEAAAAAAAAAZAAAAGQAAAAAAAAAZAAAAGQAAAAVAAAAYAAAAAAAAAAAAAAADwAAACADAAAAAAAAAAAAAAEAAACgMgAAVgcAAKr4//8BAAAAf39/AAEAAABkAAAAAAAAABQAAABAHwAAAAAAACYAAAAAAAAAwOD//wAAAAAmAAAAZAAAABYAAABMAAAAAAAAAAAAAAAEAAAAAAAAAAEAAACAgIAKAAAAACgAAAAoAAAAZAAAAGQAAAAAAAAAzMzMAAAAAABQAAAAUAAAAGQAAABkAAAAAAAAABcAAAAUAAAAAAAAAAAAAAD/fwAA/38AAAAAAAAJAAAABAAAAAAAAAAeAAAAaAAAAAAAAAAAAAAAAAAAAAAAAAAAAAAAECcAABAnAAAAAAAAAAAAAAAAAAAAAAAAAAAAAAAAAAAAAAAAAAAAABQAAAAAAAAAwMD/AAAAAABkAAAAMgAAAAAAAABkAAAAAAAAAH9/fwAKAAAAIgAAABgAAAAAAAAAAAAAAAAAAAAAAAAAAAAAAAAAAAAkAAAAJAAAAAAAAAAHAAAAAAAAAAAAAAAAAAAAAAAAAAAAAAAAAAAAf39/ACUAAABYAAAAAAAAAAAAAAAAAAAAAAAAAAAAAAAAAAAAAAAAAAAAAAAAAAAAAAAAAAAAAAA/AAAAAAAAAKCGAQAAAAAAAAAAAAAAAAAMAAAAAQAAAAAAAAAAAAAAAAAAAB8AAABUAAAAAAAABQAAAAEAAAAAAAAAAAAAAAAAAAAAAAAAAAAAAAAAAAAAAAAAAAAAAAJ/f38AAAAAA8zMzADAwP8Af39/AAAAAAAAAAAAAAAAAAAAAAAAAAAAIQAAABgAAAAUAAAAsw4AAIgdAACzOwAABCEAABAAAAAmAAAACAAAAIGAAAAAAAAAMAAAABQAAAAAAAAAAAD//wAAAQAAAP//AAABAA=="/>
+                <pr:smNativeData xmlns:pr="smNativeData" xmlns="smNativeData" val="SMDATA_16_jeCHZxMAAAAlAAAAZAAAAA8BAAAAkAAAAEgAAACQAAAASAAAAAAAAAACAAAAAAAAAAEAAABQAAAAAAAAAAAA4D8AAAAAAADgPwAAAAAAAOA/AAAAAAAA4D8AAAAAAADgPwAAAAAAAOA/AAAAAAAA4D8AAAAAAADgPwAAAAAAAOA/AAAAAAAA4D8CAAAAjAAAAAAAAAAAAAAAu+DjDP///wgAAAAAAAAAAAAAAAAAAAAAAAAAAAAAAAAAAAAAZAAAAAEAAABAAAAAAAAAAAAAAAAAAAAAAAAAAAAAAAAAAAAAAAAAAAAAAAAAAAAAAAAAAAAAAAAAAAAAAAAAAAAAAAAAAAAAAAAAAAAAAAAAAAAAAAAAAAAAAAAAAAAAFAAAADwAAAAAAAAAAAAAAAAAAAkUAAAAAQAAABQAAAAUAAAAFAAAAAEAAAAAAAAAZAAAAGQAAAAAAAAAZAAAAGQAAAAVAAAAYAAAAAAAAAAAAAAADwAAACADAAAAAAAAAAAAAAEAAACgMgAAVgcAAKr4//8BAAAAf39/AAEAAABkAAAAAAAAABQAAABAHwAAAAAAACYAAAAAAAAAwOD//wAAAAAmAAAAZAAAABYAAABMAAAAAAAAAAAAAAAEAAAAAAAAAAEAAACAgIAKAAAAACgAAAAoAAAAZAAAAGQAAAAAAAAAzMzMAAAAAABQAAAAUAAAAGQAAABkAAAAAAAAABcAAAAUAAAAAAAAAAAAAAD/fwAA/38AAAAAAAAJAAAABAAAAAAAAAAeAAAAaAAAAAAAAAAAAAAAAAAAAAAAAAAAAAAAECcAABAnAAAAAAAAAAAAAAAAAAAAAAAAAAAAAAAAAAAAAAAAAAAAABQAAAAAAAAAwMD/AAAAAABkAAAAMgAAAAAAAABkAAAAAAAAAH9/fwAKAAAAIgAAABgAAAAAAAAAAAAAAAAAAAAAAAAAAAAAAAAAAAAkAAAAJAAAAAAAAAAHAAAAAAAAAAAAAAAAAAAAAAAAAAAAAAAAAAAAf39/ACUAAABYAAAAAAAAAAAAAAAAAAAAAAAAAAAAAAAAAAAAAAAAAAAAAAAAAAAAAAAAAAAAAAA/AAAAAAAAAKCGAQAAAAAAAAAAAAAAAAAMAAAAAQAAAAAAAAAAAAAAAAAAAB8AAABUAAAAAAAABQAAAAEAAAAAAAAAAAAAAAAAAAAAAAAAAAAAAAAAAAAAAAAAAAAAAAJ/f38AAAAAA8zMzADAwP8Af39/AAAAAAAAAAAAAAAAAAAAAAAAAAAAIQAAABgAAAAUAAAAsw4AAIgdAACzOwAABCEAABAAAAAmAAAACAAAAIGAAAAAAAAAMAAAABQAAAAAAAAAAAD//wAAAQAAAP//AAABAA=="/>
               </a:ext>
             </a:extLst>
           </p:cNvSpPr>
@@ -2540,7 +2540,7 @@
             <a:spLocks noGrp="1" noChangeArrowheads="1"/>
             <a:extLst>
               <a:ext uri="smNativeData">
-                <pr:smNativeData xmlns:pr="smNativeData" xmlns="smNativeData" val="SMDATA_16_a8OGZxMAAAAlAAAAZAAAAA8BAAAAkAAAAEgAAACQAAAASAAAAAAAAAAAAAAAAAAAAAEAAABQAAAAAAAAAAAA4D8AAAAAAADgPwAAAAAAAOA/AAAAAAAA4D8AAAAAAADgPwAAAAAAAOA/AAAAAAAA4D8AAAAAAADgPwAAAAAAAOA/AAAAAAAA4D8CAAAAjAAAAAAAAAAAAAAAu+DjDP///wgAAAAAAAAAAAAAAAAAAAAAAAAAAAAAAAAAAAAAZAAAAAEAAABAAAAAAAAAAAAAAAAAAAAAAAAAAAAAAAAAAAAAAAAAAAAAAAAAAAAAAAAAAAAAAAAAAAAAAAAAAAAAAAAAAAAAAAAAAAAAAAAAAAAAAAAAAAAAAAAAAAAAFAAAADwAAAAAAAAAAAAAAAAAAAkUAAAAAQAAABQAAAAUAAAAFAAAAAEAAAAAAAAAZAAAAGQAAAAAAAAAZAAAAGQAAAAVAAAAYAAAAAAAAAAAAAAADwAAACADAAAAAAAAAAAAAAEAAACgMgAAVgcAAKr4//8BAAAAf39/AAEAAABkAAAAAAAAABQAAABAHwAAAAAAACYAAAAAAAAAwOD//wAAAAAmAAAAZAAAABYAAABMAAAAAAAAAAAAAAAEAAAAAAAAAAEAAACAgIAKAAAAACgAAAAoAAAAZAAAAGQAAAAAAAAAzMzMAAAAAABQAAAAUAAAAGQAAABkAAAAAAAAABcAAAAUAAAAAAAAAAAAAAD/fwAA/38AAAAAAAAJAAAABAAAAAAAAAAeAAAAaAAAAAAAAAAAAAAAAAAAAAAAAAAAAAAAECcAABAnAAAAAAAAAAAAAAAAAAAAAAAAAAAAAAAAAAAAAAAAAAAAABQAAAAAAAAAwMD/AAAAAABkAAAAMgAAAAAAAABkAAAAAAAAAH9/fwAKAAAAIgAAABgAAAAAAAAAAAAAAAAAAAAAAAAAAAAAAAAAAAAkAAAAJAAAAAAAAAAHAAAAAAAAAAAAAAAAAAAAAAAAAAAAAAAAAAAAf39/ACUAAABYAAAAAAAAAAAAAAAAAAAAAAAAAAAAAAAAAAAAAAAAAAAAAAAAAAAAAAAAAAAAAAA/AAAAAAAAAKCGAQAAAAAAAAAAAAAAAAAMAAAAAQAAAAAAAAAAAAAAAAAAAB8AAABUAAAAAAAABQAAAAEAAAAAAAAAAAAAAAAAAAAAAAAAAAAAAAAAAAAAAAAAAAAAAAJ/f38AAAAAA8zMzADAwP8Af39/AAAAAAAAAAAAAAAAAAAAAAAAAAAAIQAAABgAAAAUAAAAsw4AAMYDAACzOwAAFh0AABAAAAAmAAAACAAAAAGAAAAAAAAAMAAAABQAAAAAAAAAAAD//wAAAQAAAP//AAABAA=="/>
+                <pr:smNativeData xmlns:pr="smNativeData" xmlns="smNativeData" val="SMDATA_16_jeCHZxMAAAAlAAAAZAAAAA8BAAAAkAAAAEgAAACQAAAASAAAAAAAAAAAAAAAAAAAAAEAAABQAAAAAAAAAAAA4D8AAAAAAADgPwAAAAAAAOA/AAAAAAAA4D8AAAAAAADgPwAAAAAAAOA/AAAAAAAA4D8AAAAAAADgPwAAAAAAAOA/AAAAAAAA4D8CAAAAjAAAAAAAAAAAAAAAu+DjDP///wgAAAAAAAAAAAAAAAAAAAAAAAAAAAAAAAAAAAAAZAAAAAEAAABAAAAAAAAAAAAAAAAAAAAAAAAAAAAAAAAAAAAAAAAAAAAAAAAAAAAAAAAAAAAAAAAAAAAAAAAAAAAAAAAAAAAAAAAAAAAAAAAAAAAAAAAAAAAAAAAAAAAAFAAAADwAAAAAAAAAAAAAAAAAAAkUAAAAAQAAABQAAAAUAAAAFAAAAAEAAAAAAAAAZAAAAGQAAAAAAAAAZAAAAGQAAAAVAAAAYAAAAAAAAAAAAAAADwAAACADAAAAAAAAAAAAAAEAAACgMgAAVgcAAKr4//8BAAAAf39/AAEAAABkAAAAAAAAABQAAABAHwAAAAAAACYAAAAAAAAAwOD//wAAAAAmAAAAZAAAABYAAABMAAAAAAAAAAAAAAAEAAAAAAAAAAEAAACAgIAKAAAAACgAAAAoAAAAZAAAAGQAAAAAAAAAzMzMAAAAAABQAAAAUAAAAGQAAABkAAAAAAAAABcAAAAUAAAAAAAAAAAAAAD/fwAA/38AAAAAAAAJAAAABAAAAAAAAAAeAAAAaAAAAAAAAAAAAAAAAAAAAAAAAAAAAAAAECcAABAnAAAAAAAAAAAAAAAAAAAAAAAAAAAAAAAAAAAAAAAAAAAAABQAAAAAAAAAwMD/AAAAAABkAAAAMgAAAAAAAABkAAAAAAAAAH9/fwAKAAAAIgAAABgAAAAAAAAAAAAAAAAAAAAAAAAAAAAAAAAAAAAkAAAAJAAAAAAAAAAHAAAAAAAAAAAAAAAAAAAAAAAAAAAAAAAAAAAAf39/ACUAAABYAAAAAAAAAAAAAAAAAAAAAAAAAAAAAAAAAAAAAAAAAAAAAAAAAAAAAAAAAAAAAAA/AAAAAAAAAKCGAQAAAAAAAAAAAAAAAAAMAAAAAQAAAAAAAAAAAAAAAAAAAB8AAABUAAAAAAAABQAAAAEAAAAAAAAAAAAAAAAAAAAAAAAAAAAAAAAAAAAAAAAAAAAAAAJ/f38AAAAAA8zMzADAwP8Af39/AAAAAAAAAAAAAAAAAAAAAAAAAAAAIQAAABgAAAAUAAAAsw4AAMYDAACzOwAAFh0AABAAAAAmAAAACAAAAAGAAAAAAAAAMAAAABQAAAAAAAAAAAD//wAAAQAAAP//AAABAA=="/>
               </a:ext>
             </a:extLst>
           </p:cNvSpPr>
@@ -2609,7 +2609,7 @@
             <a:spLocks noGrp="1" noChangeArrowheads="1"/>
             <a:extLst>
               <a:ext uri="smNativeData">
-                <pr:smNativeData xmlns:pr="smNativeData" xmlns="smNativeData" val="SMDATA_16_a8OGZxMAAAAlAAAAZAAAAA8BAAAAkAAAAEgAAACQAAAASAAAAAAAAAAAAAAAAAAAAAEAAABQAAAAAAAAAAAA4D8AAAAAAADgPwAAAAAAAOA/AAAAAAAA4D8AAAAAAADgPwAAAAAAAOA/AAAAAAAA4D8AAAAAAADgPwAAAAAAAOA/AAAAAAAA4D8CAAAAjAAAAAAAAAAAAAAAu+DjDP///wgAAAAAAAAAAAAAAAAAAAAAAAAAAAAAAAAAAAAAZAAAAAEAAABAAAAAAAAAAAAAAAAAAAAAAAAAAAAAAAAAAAAAAAAAAAAAAAAAAAAAAAAAAAAAAAAAAAAAAAAAAAAAAAAAAAAAAAAAAAAAAAAAAAAAAAAAAAAAAAAAAAAAFAAAADwAAAAAAAAAAAAAAAAAAAkUAAAAAQAAABQAAAAUAAAAFAAAAAEAAAAAAAAAZAAAAGQAAAAAAAAAZAAAAGQAAAAVAAAAYAAAAAAAAAAAAAAADwAAACADAAAAAAAAAAAAAAEAAACgMgAAVgcAAKr4//8BAAAAf39/AAEAAABkAAAAAAAAABQAAABAHwAAAAAAACYAAAAAAAAAwOD//wAAAAAmAAAAZAAAABYAAABMAAAAAAAAAAAAAAAEAAAAAAAAAAEAAACAgIAKAAAAACgAAAAoAAAAZAAAAGQAAAAAAAAAzMzMAAAAAABQAAAAUAAAAGQAAABkAAAAAAAAABcAAAAUAAAAAAAAAAAAAAD/fwAA/38AAAAAAAAJAAAABAAAAAAAAAAeAAAAaAAAAAAAAAAAAAAAAAAAAAAAAAAAAAAAECcAABAnAAAAAAAAAAAAAAAAAAAAAAAAAAAAAAAAAAAAAAAAAAAAABQAAAAAAAAAwMD/AAAAAABkAAAAMgAAAAAAAABkAAAAAAAAAH9/fwAKAAAAIgAAABgAAAAAAAAAAAAAAAAAAAAAAAAAAAAAAAAAAAAkAAAAJAAAAAAAAAAHAAAAAAAAAAAAAAAAAAAAAAAAAAAAAAAAAAAAf39/ACUAAABYAAAAAAAAAAAAAAAAAAAAAAAAAAAAAAAAAAAAAAAAAAAAAAAAAAAAAAAAAAAAAAA/AAAAAAAAAKCGAQAAAAAAAAAAAAAAAAAMAAAAAQAAAAAAAAAAAAAAAAAAAB8AAABUAAAAAAAABQAAAAEAAAAAAAAAAAAAAAAAAAAAAAAAAAAAAAAAAAAAAAAAAAAAAAJ/f38AAAAAA8zMzADAwP8Af39/AAAAAAAAAAAAAAAAAAAAAAAAAAAAIQAAABgAAAAUAAAAsw4AAAQhAACzOwAA+CUAABAAAAAmAAAACAAAAAGAAAAAAAAAMAAAABQAAAAAAAAAAAD//wAAAQAAAP//AAABAA=="/>
+                <pr:smNativeData xmlns:pr="smNativeData" xmlns="smNativeData" val="SMDATA_16_jeCHZxMAAAAlAAAAZAAAAA8BAAAAkAAAAEgAAACQAAAASAAAAAAAAAAAAAAAAAAAAAEAAABQAAAAAAAAAAAA4D8AAAAAAADgPwAAAAAAAOA/AAAAAAAA4D8AAAAAAADgPwAAAAAAAOA/AAAAAAAA4D8AAAAAAADgPwAAAAAAAOA/AAAAAAAA4D8CAAAAjAAAAAAAAAAAAAAAu+DjDP///wgAAAAAAAAAAAAAAAAAAAAAAAAAAAAAAAAAAAAAZAAAAAEAAABAAAAAAAAAAAAAAAAAAAAAAAAAAAAAAAAAAAAAAAAAAAAAAAAAAAAAAAAAAAAAAAAAAAAAAAAAAAAAAAAAAAAAAAAAAAAAAAAAAAAAAAAAAAAAAAAAAAAAFAAAADwAAAAAAAAAAAAAAAAAAAkUAAAAAQAAABQAAAAUAAAAFAAAAAEAAAAAAAAAZAAAAGQAAAAAAAAAZAAAAGQAAAAVAAAAYAAAAAAAAAAAAAAADwAAACADAAAAAAAAAAAAAAEAAACgMgAAVgcAAKr4//8BAAAAf39/AAEAAABkAAAAAAAAABQAAABAHwAAAAAAACYAAAAAAAAAwOD//wAAAAAmAAAAZAAAABYAAABMAAAAAAAAAAAAAAAEAAAAAAAAAAEAAACAgIAKAAAAACgAAAAoAAAAZAAAAGQAAAAAAAAAzMzMAAAAAABQAAAAUAAAAGQAAABkAAAAAAAAABcAAAAUAAAAAAAAAAAAAAD/fwAA/38AAAAAAAAJAAAABAAAAAAAAAAeAAAAaAAAAAAAAAAAAAAAAAAAAAAAAAAAAAAAECcAABAnAAAAAAAAAAAAAAAAAAAAAAAAAAAAAAAAAAAAAAAAAAAAABQAAAAAAAAAwMD/AAAAAABkAAAAMgAAAAAAAABkAAAAAAAAAH9/fwAKAAAAIgAAABgAAAAAAAAAAAAAAAAAAAAAAAAAAAAAAAAAAAAkAAAAJAAAAAAAAAAHAAAAAAAAAAAAAAAAAAAAAAAAAAAAAAAAAAAAf39/ACUAAABYAAAAAAAAAAAAAAAAAAAAAAAAAAAAAAAAAAAAAAAAAAAAAAAAAAAAAAAAAAAAAAA/AAAAAAAAAKCGAQAAAAAAAAAAAAAAAAAMAAAAAQAAAAAAAAAAAAAAAAAAAB8AAABUAAAAAAAABQAAAAEAAAAAAAAAAAAAAAAAAAAAAAAAAAAAAAAAAAAAAAAAAAAAAAJ/f38AAAAAA8zMzADAwP8Af39/AAAAAAAAAAAAAAAAAAAAAAAAAAAAIQAAABgAAAAUAAAAsw4AAAQhAACzOwAA+CUAABAAAAAmAAAACAAAAAGAAAAAAAAAMAAAABQAAAAAAAAAAAD//wAAAQAAAP//AAABAA=="/>
               </a:ext>
             </a:extLst>
           </p:cNvSpPr>
@@ -2678,7 +2678,7 @@
             <a:spLocks noGrp="1" noChangeArrowheads="1"/>
             <a:extLst>
               <a:ext uri="smNativeData">
-                <pr:smNativeData xmlns:pr="smNativeData" xmlns="smNativeData" val="SMDATA_16_a8OGZxMAAAAlAAAAZAAAAA8BAAAAkAAAAEgAAACQAAAASAAAAAAAAAABAAAAAAAAAAEAAABQAAAAAAAAAAAA4D8AAAAAAADgPwAAAAAAAOA/AAAAAAAA4D8AAAAAAADgPwAAAAAAAOA/AAAAAAAA4D8AAAAAAADgPwAAAAAAAOA/AAAAAAAA4D8CAAAAjAAAAAAAAAAAAAAAu+DjDP///wgAAAAAAAAAAAAAAAAAAAAAAAAAAAAAAAAAAAAAZAAAAAEAAABAAAAAAAAAAAAAAAAAAAAAAAAAAAAAAAAAAAAAAAAAAAAAAAAAAAAAAAAAAAAAAAAAAAAAAAAAAAAAAAAAAAAAAAAAAAAAAAAAAAAAAAAAAAAAAAAAAAAAFAAAADwAAAAAAAAAAAAAAAAAAAkUAAAAAQAAABQAAAAUAAAAFAAAAAEAAAAAAAAAZAAAAGQAAAAAAAAAZAAAAGQAAAAVAAAAYAAAAAAAAAAAAAAADwAAACADAAAAAAAAAAAAAAEAAACgMgAAVgcAAKr4//8BAAAAf39/AAEAAABkAAAAAAAAABQAAABAHwAAAAAAACYAAAAAAAAAwOD//wAAAAAmAAAAZAAAABYAAABMAAAAAAAAAAAAAAAEAAAAAAAAAAEAAACAgIAKAAAAACgAAAAoAAAAZAAAAGQAAAAAAAAAzMzMAAAAAABQAAAAUAAAAGQAAABkAAAAAAAAABcAAAAUAAAAAAAAAAAAAAD/fwAA/38AAAAAAAAJAAAABAAAAAAAAAAeAAAAaAAAAAAAAAAAAAAAAAAAAAAAAAAAAAAAECcAABAnAAAAAAAAAAAAAAAAAAAAAAAAAAAAAAAAAAAAAAAAAAAAABQAAAAAAAAAwMD/AAAAAABkAAAAMgAAAAAAAABkAAAAAAAAAH9/fwAKAAAAIgAAABgAAAAAAAAAAAAAAAAAAAAAAAAAAAAAAAAAAAAkAAAAJAAAAAAAAAAHAAAAAAAAAAAAAAAAAAAAAAAAAAAAAAAAAAAAf39/ACUAAABYAAAAAAAAAAAAAAAAAAAAAAAAAAAAAAAAAAAAAAAAAAAAAAAAAAAAAAAAAAAAAAA/AAAAAAAAAKCGAQAAAAAAAAAAAAAAAAAMAAAAAQAAAAAAAAAAAAAAAAAAAB8AAABUAAAAAAAABQAAAAEAAAAAAAAAAAAAAAAAAAAAAAAAAAAAAAAAAAAAAAAAAAAAAAJ/f38AAAAAA8zMzADAwP8Af39/AAAAAAAAAAAAAAAAAAAAAAAAAAAAIQAAABgAAAAUAAAAwAMAABsnAAA/FQAAWSkAABAAAAAmAAAACAAAAAAAAAAAAAAAMAAAABQAAAAAAAAAAAD//wAAAQAAAP//AAABAA=="/>
+                <pr:smNativeData xmlns:pr="smNativeData" xmlns="smNativeData" val="SMDATA_16_jeCHZxMAAAAlAAAAZAAAAA8BAAAAkAAAAEgAAACQAAAASAAAAAAAAAABAAAAAAAAAAEAAABQAAAAAAAAAAAA4D8AAAAAAADgPwAAAAAAAOA/AAAAAAAA4D8AAAAAAADgPwAAAAAAAOA/AAAAAAAA4D8AAAAAAADgPwAAAAAAAOA/AAAAAAAA4D8CAAAAjAAAAAAAAAAAAAAAu+DjDP///wgAAAAAAAAAAAAAAAAAAAAAAAAAAAAAAAAAAAAAZAAAAAEAAABAAAAAAAAAAAAAAAAAAAAAAAAAAAAAAAAAAAAAAAAAAAAAAAAAAAAAAAAAAAAAAAAAAAAAAAAAAAAAAAAAAAAAAAAAAAAAAAAAAAAAAAAAAAAAAAAAAAAAFAAAADwAAAAAAAAAAAAAAAAAAAkUAAAAAQAAABQAAAAUAAAAFAAAAAEAAAAAAAAAZAAAAGQAAAAAAAAAZAAAAGQAAAAVAAAAYAAAAAAAAAAAAAAADwAAACADAAAAAAAAAAAAAAEAAACgMgAAVgcAAKr4//8BAAAAf39/AAEAAABkAAAAAAAAABQAAABAHwAAAAAAACYAAAAAAAAAwOD//wAAAAAmAAAAZAAAABYAAABMAAAAAAAAAAAAAAAEAAAAAAAAAAEAAACAgIAKAAAAACgAAAAoAAAAZAAAAGQAAAAAAAAAzMzMAAAAAABQAAAAUAAAAGQAAABkAAAAAAAAABcAAAAUAAAAAAAAAAAAAAD/fwAA/38AAAAAAAAJAAAABAAAAAAAAAAeAAAAaAAAAAAAAAAAAAAAAAAAAAAAAAAAAAAAECcAABAnAAAAAAAAAAAAAAAAAAAAAAAAAAAAAAAAAAAAAAAAAAAAABQAAAAAAAAAwMD/AAAAAABkAAAAMgAAAAAAAABkAAAAAAAAAH9/fwAKAAAAIgAAABgAAAAAAAAAAAAAAAAAAAAAAAAAAAAAAAAAAAAkAAAAJAAAAAAAAAAHAAAAAAAAAAAAAAAAAAAAAAAAAAAAAAAAAAAAf39/ACUAAABYAAAAAAAAAAAAAAAAAAAAAAAAAAAAAAAAAAAAAAAAAAAAAAAAAAAAAAAAAAAAAAA/AAAAAAAAAKCGAQAAAAAAAAAAAAAAAAAMAAAAAQAAAAAAAAAAAAAAAAAAAB8AAABUAAAAAAAABQAAAAEAAAAAAAAAAAAAAAAAAAAAAAAAAAAAAAAAAAAAAAAAAAAAAAJ/f38AAAAAA8zMzADAwP8Af39/AAAAAAAAAAAAAAAAAAAAAAAAAAAAIQAAABgAAAAUAAAAwAMAABsnAAA/FQAAWSkAABAAAAAmAAAACAAAAAAAAAAAAAAAMAAAABQAAAAAAAAAAAD//wAAAQAAAP//AAABAA=="/>
               </a:ext>
             </a:extLst>
           </p:cNvSpPr>
@@ -2692,7 +2692,7 @@
           <a:lstStyle/>
           <a:p>
             <a:pPr/>
-            <a:fld id="{3C72969C-D2D1-2760-9FCA-2435D8846971}" type="datetime1">
+            <a:fld id="{3D25B22D-63D0-7044-9E9D-9511FCD368C0}" type="datetime1">
               <a:t/>
             </a:fld>
           </a:p>
@@ -2705,7 +2705,7 @@
             <a:spLocks noGrp="1" noChangeArrowheads="1"/>
             <a:extLst>
               <a:ext uri="smNativeData">
-                <pr:smNativeData xmlns:pr="smNativeData" xmlns="smNativeData" val="SMDATA_16_a8OGZxMAAAAlAAAAZAAAAA8BAAAAkAAAAEgAAACQAAAASAAAAAAAAAABAAAAAAAAAAEAAABQAAAAAAAAAAAA4D8AAAAAAADgPwAAAAAAAOA/AAAAAAAA4D8AAAAAAADgPwAAAAAAAOA/AAAAAAAA4D8AAAAAAADgPwAAAAAAAOA/AAAAAAAA4D8CAAAAjAAAAAAAAAAAAAAAu+DjDP///wgAAAAAAAAAAAAAAAAAAAAAAAAAAAAAAAAAAAAAZAAAAAEAAABAAAAAAAAAAAAAAAAAAAAAAAAAAAAAAAAAAAAAAAAAAAAAAAAAAAAAAAAAAAAAAAAAAAAAAAAAAAAAAAAAAAAAAAAAAAAAAAAAAAAAAAAAAAAAAAAAAAAAFAAAADwAAAAAAAAAAAAAAAAAAAkUAAAAAQAAABQAAAAUAAAAFAAAAAEAAAAAAAAAZAAAAGQAAAAAAAAAZAAAAGQAAAAVAAAAYAAAAAAAAAAAAAAADwAAACADAAAAAAAAAAAAAAEAAACgMgAAVgcAAKr4//8BAAAAf39/AAEAAABkAAAAAAAAABQAAABAHwAAAAAAACYAAAAAAAAAwOD//wAAAAAmAAAAZAAAABYAAABMAAAAAAAAAAAAAAAEAAAAAAAAAAEAAACAgIAKAAAAACgAAAAoAAAAZAAAAGQAAAAAAAAAzMzMAAAAAABQAAAAUAAAAGQAAABkAAAAAAAAABcAAAAUAAAAAAAAAAAAAAD/fwAA/38AAAAAAAAJAAAABAAAAAAAAAAeAAAAaAAAAAAAAAAAAAAAAAAAAAAAAAAAAAAAECcAABAnAAAAAAAAAAAAAAAAAAAAAAAAAAAAAAAAAAAAAAAAAAAAABQAAAAAAAAAwMD/AAAAAABkAAAAMgAAAAAAAABkAAAAAAAAAH9/fwAKAAAAIgAAABgAAAAAAAAAAAAAAAAAAAAAAAAAAAAAAAAAAAAkAAAAJAAAAAAAAAAHAAAAAAAAAAAAAAAAAAAAAAAAAAAAAAAAAAAAf39/ACUAAABYAAAAAAAAAAAAAAAAAAAAAAAAAAAAAAAAAAAAAAAAAAAAAAAAAAAAAAAAAAAAAAA/AAAAAAAAAKCGAQAAAAAAAAAAAAAAAAAMAAAAAQAAAAAAAAAAAAAAAAAAAB8AAABUAAAAAAAABQAAAAEAAAAAAAAAAAAAAAAAAAAAAAAAAAAAAAAAAAAAAAAAAAAAAAJ/f38AAAAAA8zMzADAwP8Af39/AAAAAAAAAAAAAAAAAAAAAAAAAAAAIQAAABgAAAAUAAAAoRkAABsnAABfMQAAWSkAABAAAAAmAAAACAAAAAAAAAAAAAAAMAAAABQAAAAAAAAAAAD//wAAAQAAAP//AAABAA=="/>
+                <pr:smNativeData xmlns:pr="smNativeData" xmlns="smNativeData" val="SMDATA_16_jeCHZxMAAAAlAAAAZAAAAA8BAAAAkAAAAEgAAACQAAAASAAAAAAAAAABAAAAAAAAAAEAAABQAAAAAAAAAAAA4D8AAAAAAADgPwAAAAAAAOA/AAAAAAAA4D8AAAAAAADgPwAAAAAAAOA/AAAAAAAA4D8AAAAAAADgPwAAAAAAAOA/AAAAAAAA4D8CAAAAjAAAAAAAAAAAAAAAu+DjDP///wgAAAAAAAAAAAAAAAAAAAAAAAAAAAAAAAAAAAAAZAAAAAEAAABAAAAAAAAAAAAAAAAAAAAAAAAAAAAAAAAAAAAAAAAAAAAAAAAAAAAAAAAAAAAAAAAAAAAAAAAAAAAAAAAAAAAAAAAAAAAAAAAAAAAAAAAAAAAAAAAAAAAAFAAAADwAAAAAAAAAAAAAAAAAAAkUAAAAAQAAABQAAAAUAAAAFAAAAAEAAAAAAAAAZAAAAGQAAAAAAAAAZAAAAGQAAAAVAAAAYAAAAAAAAAAAAAAADwAAACADAAAAAAAAAAAAAAEAAACgMgAAVgcAAKr4//8BAAAAf39/AAEAAABkAAAAAAAAABQAAABAHwAAAAAAACYAAAAAAAAAwOD//wAAAAAmAAAAZAAAABYAAABMAAAAAAAAAAAAAAAEAAAAAAAAAAEAAACAgIAKAAAAACgAAAAoAAAAZAAAAGQAAAAAAAAAzMzMAAAAAABQAAAAUAAAAGQAAABkAAAAAAAAABcAAAAUAAAAAAAAAAAAAAD/fwAA/38AAAAAAAAJAAAABAAAAAAAAAAeAAAAaAAAAAAAAAAAAAAAAAAAAAAAAAAAAAAAECcAABAnAAAAAAAAAAAAAAAAAAAAAAAAAAAAAAAAAAAAAAAAAAAAABQAAAAAAAAAwMD/AAAAAABkAAAAMgAAAAAAAABkAAAAAAAAAH9/fwAKAAAAIgAAABgAAAAAAAAAAAAAAAAAAAAAAAAAAAAAAAAAAAAkAAAAJAAAAAAAAAAHAAAAAAAAAAAAAAAAAAAAAAAAAAAAAAAAAAAAf39/ACUAAABYAAAAAAAAAAAAAAAAAAAAAAAAAAAAAAAAAAAAAAAAAAAAAAAAAAAAAAAAAAAAAAA/AAAAAAAAAKCGAQAAAAAAAAAAAAAAAAAMAAAAAQAAAAAAAAAAAAAAAAAAAB8AAABUAAAAAAAABQAAAAEAAAAAAAAAAAAAAAAAAAAAAAAAAAAAAAAAAAAAAAAAAAAAAAJ/f38AAAAAA8zMzADAwP8Af39/AAAAAAAAAAAAAAAAAAAAAAAAAAAAIQAAABgAAAAUAAAAoRkAABsnAABfMQAAWSkAABAAAAAmAAAACAAAAAAAAAAAAAAAMAAAABQAAAAAAAAAAAD//wAAAQAAAP//AAABAA=="/>
               </a:ext>
             </a:extLst>
           </p:cNvSpPr>
@@ -2729,7 +2729,7 @@
             <a:spLocks noGrp="1" noChangeArrowheads="1"/>
             <a:extLst>
               <a:ext uri="smNativeData">
-                <pr:smNativeData xmlns:pr="smNativeData" xmlns="smNativeData" val="SMDATA_16_a8OGZxMAAAAlAAAAZAAAAA8BAAAAkAAAAEgAAACQAAAASAAAAAAAAAABAAAAAAAAAAEAAABQAAAAAAAAAAAA4D8AAAAAAADgPwAAAAAAAOA/AAAAAAAA4D8AAAAAAADgPwAAAAAAAOA/AAAAAAAA4D8AAAAAAADgPwAAAAAAAOA/AAAAAAAA4D8CAAAAjAAAAAAAAAAAAAAAu+DjDP///wgAAAAAAAAAAAAAAAAAAAAAAAAAAAAAAAAAAAAAZAAAAAEAAABAAAAAAAAAAAAAAAAAAAAAAAAAAAAAAAAAAAAAAAAAAAAAAAAAAAAAAAAAAAAAAAAAAAAAAAAAAAAAAAAAAAAAAAAAAAAAAAAAAAAAAAAAAAAAAAAAAAAAFAAAADwAAAAAAAAAAAAAAAAAAAkUAAAAAQAAABQAAAAUAAAAFAAAAAEAAAAAAAAAZAAAAGQAAAAAAAAAZAAAAGQAAAAVAAAAYAAAAAAAAAAAAAAADwAAACADAAAAAAAAAAAAAAEAAACgMgAAVgcAAKr4//8BAAAAf39/AAEAAABkAAAAAAAAABQAAABAHwAAAAAAACYAAAAAAAAAwOD//wAAAAAmAAAAZAAAABYAAABMAAAAAAAAAAAAAAAEAAAAAAAAAAEAAACAgIAKAAAAACgAAAAoAAAAZAAAAGQAAAAAAAAAzMzMAAAAAABQAAAAUAAAAGQAAABkAAAAAAAAABcAAAAUAAAAAAAAAAAAAAD/fwAA/38AAAAAAAAJAAAABAAAAAAAAAAeAAAAaAAAAAAAAAAAAAAAAAAAAAAAAAAAAAAAECcAABAnAAAAAAAAAAAAAAAAAAAAAAAAAAAAAAAAAAAAAAAAAAAAABQAAAAAAAAAwMD/AAAAAABkAAAAMgAAAAAAAABkAAAAAAAAAH9/fwAKAAAAIgAAABgAAAAAAAAAAAAAAAAAAAAAAAAAAAAAAAAAAAAkAAAAJAAAAAAAAAAHAAAAAAAAAAAAAAAAAAAAAAAAAAAAAAAAAAAAf39/ACUAAABYAAAAAAAAAAAAAAAAAAAAAAAAAAAAAAAAAAAAAAAAAAAAAAAAAAAAAAAAAAAAAAA/AAAAAAAAAKCGAQAAAAAAAAAAAAAAAAAMAAAAAQAAAAAAAAAAAAAAAAAAAB8AAABUAAAAAAAABQAAAAEAAAAAAAAAAAAAAAAAAAAAAAAAAAAAAAAAAAAAAAAAAAAAAAJ/f38AAAAAA8zMzADAwP8Af39/AAAAAAAAAAAAAAAAAAAAAAAAAAAAIQAAABgAAAAUAAAAwTUAABsnAABARwAAWSkAABAAAAAmAAAACAAAAAAAAAAAAAAAMAAAABQAAAAAAAAAAAD//wAAAQAAAP//AAABAA=="/>
+                <pr:smNativeData xmlns:pr="smNativeData" xmlns="smNativeData" val="SMDATA_16_jeCHZxMAAAAlAAAAZAAAAA8BAAAAkAAAAEgAAACQAAAASAAAAAAAAAABAAAAAAAAAAEAAABQAAAAAAAAAAAA4D8AAAAAAADgPwAAAAAAAOA/AAAAAAAA4D8AAAAAAADgPwAAAAAAAOA/AAAAAAAA4D8AAAAAAADgPwAAAAAAAOA/AAAAAAAA4D8CAAAAjAAAAAAAAAAAAAAAu+DjDP///wgAAAAAAAAAAAAAAAAAAAAAAAAAAAAAAAAAAAAAZAAAAAEAAABAAAAAAAAAAAAAAAAAAAAAAAAAAAAAAAAAAAAAAAAAAAAAAAAAAAAAAAAAAAAAAAAAAAAAAAAAAAAAAAAAAAAAAAAAAAAAAAAAAAAAAAAAAAAAAAAAAAAAFAAAADwAAAAAAAAAAAAAAAAAAAkUAAAAAQAAABQAAAAUAAAAFAAAAAEAAAAAAAAAZAAAAGQAAAAAAAAAZAAAAGQAAAAVAAAAYAAAAAAAAAAAAAAADwAAACADAAAAAAAAAAAAAAEAAACgMgAAVgcAAKr4//8BAAAAf39/AAEAAABkAAAAAAAAABQAAABAHwAAAAAAACYAAAAAAAAAwOD//wAAAAAmAAAAZAAAABYAAABMAAAAAAAAAAAAAAAEAAAAAAAAAAEAAACAgIAKAAAAACgAAAAoAAAAZAAAAGQAAAAAAAAAzMzMAAAAAABQAAAAUAAAAGQAAABkAAAAAAAAABcAAAAUAAAAAAAAAAAAAAD/fwAA/38AAAAAAAAJAAAABAAAAAAAAAAeAAAAaAAAAAAAAAAAAAAAAAAAAAAAAAAAAAAAECcAABAnAAAAAAAAAAAAAAAAAAAAAAAAAAAAAAAAAAAAAAAAAAAAABQAAAAAAAAAwMD/AAAAAABkAAAAMgAAAAAAAABkAAAAAAAAAH9/fwAKAAAAIgAAABgAAAAAAAAAAAAAAAAAAAAAAAAAAAAAAAAAAAAkAAAAJAAAAAAAAAAHAAAAAAAAAAAAAAAAAAAAAAAAAAAAAAAAAAAAf39/ACUAAABYAAAAAAAAAAAAAAAAAAAAAAAAAAAAAAAAAAAAAAAAAAAAAAAAAAAAAAAAAAAAAAA/AAAAAAAAAKCGAQAAAAAAAAAAAAAAAAAMAAAAAQAAAAAAAAAAAAAAAAAAAB8AAABUAAAAAAAABQAAAAEAAAAAAAAAAAAAAAAAAAAAAAAAAAAAAAAAAAAAAAAAAAAAAAJ/f38AAAAAA8zMzADAwP8Af39/AAAAAAAAAAAAAAAAAAAAAAAAAAAAIQAAABgAAAAUAAAAwTUAABsnAABARwAAWSkAABAAAAAmAAAACAAAAAAAAAAAAAAAMAAAABQAAAAAAAAAAAD//wAAAQAAAP//AAABAA=="/>
               </a:ext>
             </a:extLst>
           </p:cNvSpPr>
@@ -2743,7 +2743,7 @@
           <a:lstStyle/>
           <a:p>
             <a:pPr/>
-            <a:fld id="{3C72E4E8-A6D1-2712-9FCA-5047AA846905}" type="slidenum">
+            <a:fld id="{3D258FB5-FBD0-7079-9E9D-0D2CC1D36858}" type="slidenum">
               <a:t/>
             </a:fld>
           </a:p>
@@ -2790,7 +2790,7 @@
             <a:spLocks noGrp="1" noChangeArrowheads="1"/>
             <a:extLst>
               <a:ext uri="smNativeData">
-                <pr:smNativeData xmlns:pr="smNativeData" xmlns="smNativeData" val="SMDATA_16_a8OGZxMAAAAlAAAAZAAAAA8BAAAAkAAAAEgAAACQAAAASAAAAAAAAAABAAAAAAAAAAEAAABQAAAAAAAAAAAA4D8AAAAAAADgPwAAAAAAAOA/AAAAAAAA4D8AAAAAAADgPwAAAAAAAOA/AAAAAAAA4D8AAAAAAADgPwAAAAAAAOA/AAAAAAAA4D8CAAAAjAAAAAAAAAAAAAAAu+DjDP///wgAAAAAAAAAAAAAAAAAAAAAAAAAAAAAAAAAAAAAZAAAAAEAAABAAAAAAAAAAAAAAAAAAAAAAAAAAAAAAAAAAAAAAAAAAAAAAAAAAAAAAAAAAAAAAAAAAAAAAAAAAAAAAAAAAAAAAAAAAAAAAAAAAAAAAAAAAAAAAAAAAAAAFAAAADwAAAAAAAAAAAAAAAAAAAkUAAAAAQAAABQAAAAUAAAAFAAAAAEAAAAAAAAAZAAAAGQAAAAAAAAAZAAAAGQAAAAVAAAAYAAAAAAAAAAAAAAADwAAACADAAAAAAAAAAAAAAEAAACgMgAAVgcAAKr4//8BAAAAf39/AAEAAABkAAAAAAAAABQAAABAHwAAAAAAACYAAAAAAAAAwOD//wAAAAAmAAAAZAAAABYAAABMAAAAAAAAAAAAAAAEAAAAAAAAAAEAAACAgIAKAAAAACgAAAAoAAAAZAAAAGQAAAAAAAAAzMzMAAAAAABQAAAAUAAAAGQAAABkAAAAAAAAABcAAAAUAAAAAAAAAAAAAAD/fwAA/38AAAAAAAAJAAAABAAAAHsAfAAeAAAAaAAAAAAAAAAAAAAAAAAAAAAAAAAAAAAAECcAABAnAAAAAAAAAAAAAAAAAAAAAAAAAAAAAAAAAAAAAAAAAAAAABQAAAAAAAAAwMD/AAAAAABkAAAAMgAAAAAAAABkAAAAAAAAAH9/fwAKAAAAIgAAABgAAAAAAAAAAAAAAAAAAAAAAAAAAAAAAAAAAAAkAAAAJAAAAAAAAAAHAAAAAAAAAAAAAAAAAAAAAAAAAAAAAAAAAAAAf39/ACUAAABYAAAAAAAAAAAAAAAAAAAAAAAAAAAAAAAAAAAAAAAAAAAAAAAAAAAAAAAAAAAAAAA/AAAAAAAAAKCGAQAAAAAAAAAAAAAAAAAMAAAAAQAAAAAAAAAAAAAAAAAAAB8AAABUAAAAAAAABQAAAAEAAAAAAAAAAAAAAAAAAAAAAAAAAAAAAAAAAAAAAAAAAAAAAAJ/f38AAAAAA8zMzADAwP8Af39/AAAAAAAAAAAAAAAAAAAAAAAAAAAAIQAAABgAAAAUAAAAwAMAALABAABARwAAuAgAABAAAAAmAAAACAAAAP//////////MAAAABQAAAAAAAAAAAD//wAAAQAAAP//AAABAA=="/>
+                <pr:smNativeData xmlns:pr="smNativeData" xmlns="smNativeData" val="SMDATA_16_jeCHZxMAAAAlAAAAZAAAAA8BAAAAkAAAAEgAAACQAAAASAAAAAAAAAABAAAAAAAAAAEAAABQAAAAAAAAAAAA4D8AAAAAAADgPwAAAAAAAOA/AAAAAAAA4D8AAAAAAADgPwAAAAAAAOA/AAAAAAAA4D8AAAAAAADgPwAAAAAAAOA/AAAAAAAA4D8CAAAAjAAAAAAAAAAAAAAAu+DjDP///wgAAAAAAAAAAAAAAAAAAAAAAAAAAAAAAAAAAAAAZAAAAAEAAABAAAAAAAAAAAAAAAAAAAAAAAAAAAAAAAAAAAAAAAAAAAAAAAAAAAAAAAAAAAAAAAAAAAAAAAAAAAAAAAAAAAAAAAAAAAAAAAAAAAAAAAAAAAAAAAAAAAAAFAAAADwAAAAAAAAAAAAAAAAAAAkUAAAAAQAAABQAAAAUAAAAFAAAAAEAAAAAAAAAZAAAAGQAAAAAAAAAZAAAAGQAAAAVAAAAYAAAAAAAAAAAAAAADwAAACADAAAAAAAAAAAAAAEAAACgMgAAVgcAAKr4//8BAAAAf39/AAEAAABkAAAAAAAAABQAAABAHwAAAAAAACYAAAAAAAAAwOD//wAAAAAmAAAAZAAAABYAAABMAAAAAAAAAAAAAAAEAAAAAAAAAAEAAACAgIAKAAAAACgAAAAoAAAAZAAAAGQAAAAAAAAAzMzMAAAAAABQAAAAUAAAAGQAAABkAAAAAAAAABcAAAAUAAAAAAAAAAAAAAD/fwAA/38AAAAAAAAJAAAABAAAAHsAfAAeAAAAaAAAAAAAAAAAAAAAAAAAAAAAAAAAAAAAECcAABAnAAAAAAAAAAAAAAAAAAAAAAAAAAAAAAAAAAAAAAAAAAAAABQAAAAAAAAAwMD/AAAAAABkAAAAMgAAAAAAAABkAAAAAAAAAH9/fwAKAAAAIgAAABgAAAAAAAAAAAAAAAAAAAAAAAAAAAAAAAAAAAAkAAAAJAAAAAAAAAAHAAAAAAAAAAAAAAAAAAAAAAAAAAAAAAAAAAAAf39/ACUAAABYAAAAAAAAAAAAAAAAAAAAAAAAAAAAAAAAAAAAAAAAAAAAAAAAAAAAAAAAAAAAAAA/AAAAAAAAAKCGAQAAAAAAAAAAAAAAAAAMAAAAAQAAAAAAAAAAAAAAAAAAAB8AAABUAAAAAAAABQAAAAEAAAAAAAAAAAAAAAAAAAAAAAAAAAAAAAAAAAAAAAAAAAAAAAJ/f38AAAAAA8zMzADAwP8Af39/AAAAAAAAAAAAAAAAAAAAAAAAAAAAIQAAABgAAAAUAAAAwAMAALABAABARwAAuAgAABAAAAAmAAAACAAAAP//////////MAAAABQAAAAAAAAAAAD//wAAAQAAAP//AAABAA=="/>
               </a:ext>
             </a:extLst>
           </p:cNvSpPr>
@@ -2834,7 +2834,7 @@
             <a:spLocks noGrp="1" noChangeArrowheads="1"/>
             <a:extLst>
               <a:ext uri="smNativeData">
-                <pr:smNativeData xmlns:pr="smNativeData" xmlns="smNativeData" val="SMDATA_16_a8OGZxMAAAAlAAAAZAAAAA8BAAAAkAAAAEgAAACQAAAASAAAAAAAAAAAAAAAAAAAAAEAAABQAAAAAAAAAAAA4D8AAAAAAADgPwAAAAAAAOA/AAAAAAAA4D8AAAAAAADgPwAAAAAAAOA/AAAAAAAA4D8AAAAAAADgPwAAAAAAAOA/AAAAAAAA4D8CAAAAjAAAAAAAAAAAAAAAu+DjDP///wgAAAAAAAAAAAAAAAAAAAAAAAAAAAAAAAAAAAAAZAAAAAEAAABAAAAAAAAAAAAAAAAAAAAAAAAAAAAAAAAAAAAAAAAAAAAAAAAAAAAAAAAAAAAAAAAAAAAAAAAAAAAAAAAAAAAAAAAAAAAAAAAAAAAAAAAAAAAAAAAAAAAAFAAAADwAAAAAAAAAAAAAAAAAAAkUAAAAAQAAABQAAAAUAAAAFAAAAAEAAAAAAAAAZAAAAGQAAAAAAAAAZAAAAGQAAAAVAAAAYAAAAAAAAAAAAAAADwAAACADAAAAAAAAAAAAAAEAAACgMgAAVgcAAKr4//8BAAAAf39/AAEAAABkAAAAAAAAABQAAABAHwAAAAAAACYAAAAAAAAAwOD//wAAAAAmAAAAZAAAABYAAABMAAAAAAAAAAAAAAAEAAAAAAAAAAEAAACAgIAKAAAAACgAAAAoAAAAZAAAAGQAAAAAAAAAzMzMAAAAAABQAAAAUAAAAGQAAABkAAAAAAAAABcAAAAUAAAAAAAAAAAAAAD/fwAA/38AAAAAAAAJAAAABAAAAHsAfAAeAAAAaAAAAAAAAAAAAAAAAAAAAAAAAAAAAAAAECcAABAnAAAAAAAAAAAAAAAAAAAAAAAAAAAAAAAAAAAAAAAAAAAAABQAAAAAAAAAwMD/AAAAAABkAAAAMgAAAAAAAABkAAAAAAAAAH9/fwAKAAAAIgAAABgAAAAAAAAAAAAAAAAAAAAAAAAAAAAAAAAAAAAkAAAAJAAAAAAAAAAHAAAAAAAAAAAAAAAAAAAAAAAAAAAAAAAAAAAAf39/ACUAAABYAAAAAAAAAAAAAAAAAAAAAAAAAAAAAAAAAAAAAAAAAAAAAAAAAAAAAAAAAAAAAAA/AAAAAAAAAKCGAQAAAAAAAAAAAAAAAAAMAAAAAQAAAAAAAAAAAAAAAAAAAB8AAABUAAAAAAAABQAAAAEAAAAAAAAAAAAAAAAAAAAAAAAAAAAAAAAAAAAAAAAAAAAAAAJ/f38AAAAAA8zMzADAwP8Af39/AAAAAAAAAAAAAAAAAAAAAAAAAAAAIQAAABgAAAAUAAAAwAMAANgJAABARwAAsCUAABAAAAAmAAAACAAAAP//////////MAAAABQAAAAAAAAAAAD//wAAAQAAAP//AAABAA=="/>
+                <pr:smNativeData xmlns:pr="smNativeData" xmlns="smNativeData" val="SMDATA_16_jeCHZxMAAAAlAAAAZAAAAA8BAAAAkAAAAEgAAACQAAAASAAAAAAAAAAAAAAAAAAAAAEAAABQAAAAAAAAAAAA4D8AAAAAAADgPwAAAAAAAOA/AAAAAAAA4D8AAAAAAADgPwAAAAAAAOA/AAAAAAAA4D8AAAAAAADgPwAAAAAAAOA/AAAAAAAA4D8CAAAAjAAAAAAAAAAAAAAAu+DjDP///wgAAAAAAAAAAAAAAAAAAAAAAAAAAAAAAAAAAAAAZAAAAAEAAABAAAAAAAAAAAAAAAAAAAAAAAAAAAAAAAAAAAAAAAAAAAAAAAAAAAAAAAAAAAAAAAAAAAAAAAAAAAAAAAAAAAAAAAAAAAAAAAAAAAAAAAAAAAAAAAAAAAAAFAAAADwAAAAAAAAAAAAAAAAAAAkUAAAAAQAAABQAAAAUAAAAFAAAAAEAAAAAAAAAZAAAAGQAAAAAAAAAZAAAAGQAAAAVAAAAYAAAAAAAAAAAAAAADwAAACADAAAAAAAAAAAAAAEAAACgMgAAVgcAAKr4//8BAAAAf39/AAEAAABkAAAAAAAAABQAAABAHwAAAAAAACYAAAAAAAAAwOD//wAAAAAmAAAAZAAAABYAAABMAAAAAAAAAAAAAAAEAAAAAAAAAAEAAACAgIAKAAAAACgAAAAoAAAAZAAAAGQAAAAAAAAAzMzMAAAAAABQAAAAUAAAAGQAAABkAAAAAAAAABcAAAAUAAAAAAAAAAAAAAD/fwAA/38AAAAAAAAJAAAABAAAAHsAfAAeAAAAaAAAAAAAAAAAAAAAAAAAAAAAAAAAAAAAECcAABAnAAAAAAAAAAAAAAAAAAAAAAAAAAAAAAAAAAAAAAAAAAAAABQAAAAAAAAAwMD/AAAAAABkAAAAMgAAAAAAAABkAAAAAAAAAH9/fwAKAAAAIgAAABgAAAAAAAAAAAAAAAAAAAAAAAAAAAAAAAAAAAAkAAAAJAAAAAAAAAAHAAAAAAAAAAAAAAAAAAAAAAAAAAAAAAAAAAAAf39/ACUAAABYAAAAAAAAAAAAAAAAAAAAAAAAAAAAAAAAAAAAAAAAAAAAAAAAAAAAAAAAAAAAAAA/AAAAAAAAAKCGAQAAAAAAAAAAAAAAAAAMAAAAAQAAAAAAAAAAAAAAAAAAAB8AAABUAAAAAAAABQAAAAEAAAAAAAAAAAAAAAAAAAAAAAAAAAAAAAAAAAAAAAAAAAAAAAJ/f38AAAAAA8zMzADAwP8Af39/AAAAAAAAAAAAAAAAAAAAAAAAAAAAIQAAABgAAAAUAAAAwAMAANgJAABARwAAsCUAABAAAAAmAAAACAAAAP//////////MAAAABQAAAAAAAAAAAD//wAAAQAAAP//AAABAA=="/>
               </a:ext>
             </a:extLst>
           </p:cNvSpPr>
@@ -2902,7 +2902,7 @@
             <a:spLocks noGrp="1" noChangeArrowheads="1"/>
             <a:extLst>
               <a:ext uri="smNativeData">
-                <pr:smNativeData xmlns:pr="smNativeData" xmlns="smNativeData" val="SMDATA_16_a8OGZxMAAAAlAAAAZAAAAA8BAAAAkAAAAEgAAACQAAAASAAAAAAAAAABAAAAAAAAAAEAAABQAAAAAAAAAAAA4D8AAAAAAADgPwAAAAAAAOA/AAAAAAAA4D8AAAAAAADgPwAAAAAAAOA/AAAAAAAA4D8AAAAAAADgPwAAAAAAAOA/AAAAAAAA4D8CAAAAjAAAAAAAAAAAAAAAu+DjDP///wgAAAAAAAAAAAAAAAAAAAAAAAAAAAAAAAAAAAAAZAAAAAEAAABAAAAAAAAAAAAAAAAAAAAAAAAAAAAAAAAAAAAAAAAAAAAAAAAAAAAAAAAAAAAAAAAAAAAAAAAAAAAAAAAAAAAAAAAAAAAAAAAAAAAAAAAAAAAAAAAAAAAAFAAAADwAAAAAAAAAAAAAAAAAAAkUAAAAAQAAABQAAAAUAAAAFAAAAAEAAAAAAAAAZAAAAGQAAAAAAAAAZAAAAGQAAAAVAAAAYAAAAAAAAAAAAAAADwAAACADAAAAAAAAAAAAAAEAAACgMgAAVgcAAKr4//8BAAAAf39/AAEAAABkAAAAAAAAABQAAABAHwAAAAAAACYAAAAAAAAAwOD//wAAAAAmAAAAZAAAABYAAABMAAAAAAAAAAAAAAAEAAAAAAAAAAEAAACAgIAKAAAAACgAAAAoAAAAZAAAAGQAAAAAAAAAzMzMAAAAAABQAAAAUAAAAGQAAABkAAAAAAAAABcAAAAUAAAAAAAAAAAAAAD/fwAA/38AAAAAAAAJAAAABAAAAHsAfAAeAAAAaAAAAAAAAAAAAAAAAAAAAAAAAAAAAAAAECcAABAnAAAAAAAAAAAAAAAAAAAAAAAAAAAAAAAAAAAAAAAAAAAAABQAAAAAAAAAwMD/AAAAAABkAAAAMgAAAAAAAABkAAAAAAAAAH9/fwAKAAAAIgAAABgAAAAAAAAAAAAAAAAAAAAAAAAAAAAAAAAAAAAkAAAAJAAAAAAAAAAHAAAAAAAAAAAAAAAAAAAAAAAAAAAAAAAAAAAAf39/ACUAAABYAAAAAAAAAAAAAAAAAAAAAAAAAAAAAAAAAAAAAAAAAAAAAAAAAAAAAAAAAAAAAAA/AAAAAAAAAKCGAQAAAAAAAAAAAAAAAAAMAAAAAQAAAAAAAAAAAAAAAAAAAB8AAABUAAAAAAAABQAAAAEAAAAAAAAAAAAAAAAAAAAAAAAAAAAAAAAAAAAAAAAAAAAAAAJ/f38AAAAAA8zMzADAwP8Af39/AAAAAAAAAAAAAAAAAAAAAAAAAAAAIQAAABgAAAAUAAAAwAMAABsnAAA/FQAAWSkAABAAAAAmAAAACAAAAP//////////MAAAABQAAAAAAAAAAAD//wAAAQAAAP//AAABAA=="/>
+                <pr:smNativeData xmlns:pr="smNativeData" xmlns="smNativeData" val="SMDATA_16_jeCHZxMAAAAlAAAAZAAAAA8BAAAAkAAAAEgAAACQAAAASAAAAAAAAAABAAAAAAAAAAEAAABQAAAAAAAAAAAA4D8AAAAAAADgPwAAAAAAAOA/AAAAAAAA4D8AAAAAAADgPwAAAAAAAOA/AAAAAAAA4D8AAAAAAADgPwAAAAAAAOA/AAAAAAAA4D8CAAAAjAAAAAAAAAAAAAAAu+DjDP///wgAAAAAAAAAAAAAAAAAAAAAAAAAAAAAAAAAAAAAZAAAAAEAAABAAAAAAAAAAAAAAAAAAAAAAAAAAAAAAAAAAAAAAAAAAAAAAAAAAAAAAAAAAAAAAAAAAAAAAAAAAAAAAAAAAAAAAAAAAAAAAAAAAAAAAAAAAAAAAAAAAAAAFAAAADwAAAAAAAAAAAAAAAAAAAkUAAAAAQAAABQAAAAUAAAAFAAAAAEAAAAAAAAAZAAAAGQAAAAAAAAAZAAAAGQAAAAVAAAAYAAAAAAAAAAAAAAADwAAACADAAAAAAAAAAAAAAEAAACgMgAAVgcAAKr4//8BAAAAf39/AAEAAABkAAAAAAAAABQAAABAHwAAAAAAACYAAAAAAAAAwOD//wAAAAAmAAAAZAAAABYAAABMAAAAAAAAAAAAAAAEAAAAAAAAAAEAAACAgIAKAAAAACgAAAAoAAAAZAAAAGQAAAAAAAAAzMzMAAAAAABQAAAAUAAAAGQAAABkAAAAAAAAABcAAAAUAAAAAAAAAAAAAAD/fwAA/38AAAAAAAAJAAAABAAAAHsAfAAeAAAAaAAAAAAAAAAAAAAAAAAAAAAAAAAAAAAAECcAABAnAAAAAAAAAAAAAAAAAAAAAAAAAAAAAAAAAAAAAAAAAAAAABQAAAAAAAAAwMD/AAAAAABkAAAAMgAAAAAAAABkAAAAAAAAAH9/fwAKAAAAIgAAABgAAAAAAAAAAAAAAAAAAAAAAAAAAAAAAAAAAAAkAAAAJAAAAAAAAAAHAAAAAAAAAAAAAAAAAAAAAAAAAAAAAAAAAAAAf39/ACUAAABYAAAAAAAAAAAAAAAAAAAAAAAAAAAAAAAAAAAAAAAAAAAAAAAAAAAAAAAAAAAAAAA/AAAAAAAAAKCGAQAAAAAAAAAAAAAAAAAMAAAAAQAAAAAAAAAAAAAAAAAAAB8AAABUAAAAAAAABQAAAAEAAAAAAAAAAAAAAAAAAAAAAAAAAAAAAAAAAAAAAAAAAAAAAAJ/f38AAAAAA8zMzADAwP8Af39/AAAAAAAAAAAAAAAAAAAAAAAAAAAAIQAAABgAAAAUAAAAwAMAABsnAAA/FQAAWSkAABAAAAAmAAAACAAAAP//////////MAAAABQAAAAAAAAAAAD//wAAAQAAAP//AAABAA=="/>
               </a:ext>
             </a:extLst>
           </p:cNvSpPr>
@@ -2937,7 +2937,7 @@
           </a:lstStyle>
           <a:p>
             <a:pPr/>
-            <a:fld id="{3C72EFB2-FCD1-2719-9FCA-0A4CA184695F}" type="datetime1">
+            <a:fld id="{3D259A15-5BD0-706C-9E9D-AD39D4D368F8}" type="datetime1">
               <a:t/>
             </a:fld>
           </a:p>
@@ -2950,7 +2950,7 @@
             <a:spLocks noGrp="1" noChangeArrowheads="1"/>
             <a:extLst>
               <a:ext uri="smNativeData">
-                <pr:smNativeData xmlns:pr="smNativeData" xmlns="smNativeData" val="SMDATA_16_a8OGZxMAAAAlAAAAZAAAAA8BAAAAkAAAAEgAAACQAAAASAAAAAAAAAABAAAAAAAAAAEAAABQAAAAAAAAAAAA4D8AAAAAAADgPwAAAAAAAOA/AAAAAAAA4D8AAAAAAADgPwAAAAAAAOA/AAAAAAAA4D8AAAAAAADgPwAAAAAAAOA/AAAAAAAA4D8CAAAAjAAAAAAAAAAAAAAAu+DjDP///wgAAAAAAAAAAAAAAAAAAAAAAAAAAAAAAAAAAAAAZAAAAAEAAABAAAAAAAAAAAAAAAAAAAAAAAAAAAAAAAAAAAAAAAAAAAAAAAAAAAAAAAAAAAAAAAAAAAAAAAAAAAAAAAAAAAAAAAAAAAAAAAAAAAAAAAAAAAAAAAAAAAAAFAAAADwAAAAAAAAAAAAAAAAAAAkUAAAAAQAAABQAAAAUAAAAFAAAAAEAAAAAAAAAZAAAAGQAAAAAAAAAZAAAAGQAAAAVAAAAYAAAAAAAAAAAAAAADwAAACADAAAAAAAAAAAAAAEAAACgMgAAVgcAAKr4//8BAAAAf39/AAEAAABkAAAAAAAAABQAAABAHwAAAAAAACYAAAAAAAAAwOD//wAAAAAmAAAAZAAAABYAAABMAAAAAAAAAAAAAAAEAAAAAAAAAAEAAACAgIAKAAAAACgAAAAoAAAAZAAAAGQAAAAAAAAAzMzMAAAAAABQAAAAUAAAAGQAAABkAAAAAAAAABcAAAAUAAAAAAAAAAAAAAD/fwAA/38AAAAAAAAJAAAABAAAAAAAAAAeAAAAaAAAAAAAAAAAAAAAAAAAAAAAAAAAAAAAECcAABAnAAAAAAAAAAAAAAAAAAAAAAAAAAAAAAAAAAAAAAAAAAAAABQAAAAAAAAAwMD/AAAAAABkAAAAMgAAAAAAAABkAAAAAAAAAH9/fwAKAAAAIgAAABgAAAAAAAAAAAAAAAAAAAAAAAAAAAAAAAAAAAAkAAAAJAAAAAAAAAAHAAAAAAAAAAAAAAAAAAAAAAAAAAAAAAAAAAAAf39/ACUAAABYAAAAAAAAAAAAAAAAAAAAAAAAAAAAAAAAAAAAAAAAAAAAAAAAAAAAAAAAAAAAAAA/AAAAAAAAAKCGAQAAAAAAAAAAAAAAAAAMAAAAAQAAAAAAAAAAAAAAAAAAAB8AAABUAAAAAAAABQAAAAEAAAAAAAAAAAAAAAAAAAAAAAAAAAAAAAAAAAAAAAAAAAAAAAJ/f38AAAAAA8zMzADAwP8Af39/AAAAAAAAAAAAAAAAAAAAAAAAAAAAIQAAABgAAAAUAAAAoRkAABsnAABfMQAAWSkAABAAAAAmAAAACAAAAP//////////MAAAABQAAAAAAAAAAAD//wAAAQAAAP//AAABAA=="/>
+                <pr:smNativeData xmlns:pr="smNativeData" xmlns="smNativeData" val="SMDATA_16_jeCHZxMAAAAlAAAAZAAAAA8BAAAAkAAAAEgAAACQAAAASAAAAAAAAAABAAAAAAAAAAEAAABQAAAAAAAAAAAA4D8AAAAAAADgPwAAAAAAAOA/AAAAAAAA4D8AAAAAAADgPwAAAAAAAOA/AAAAAAAA4D8AAAAAAADgPwAAAAAAAOA/AAAAAAAA4D8CAAAAjAAAAAAAAAAAAAAAu+DjDP///wgAAAAAAAAAAAAAAAAAAAAAAAAAAAAAAAAAAAAAZAAAAAEAAABAAAAAAAAAAAAAAAAAAAAAAAAAAAAAAAAAAAAAAAAAAAAAAAAAAAAAAAAAAAAAAAAAAAAAAAAAAAAAAAAAAAAAAAAAAAAAAAAAAAAAAAAAAAAAAAAAAAAAFAAAADwAAAAAAAAAAAAAAAAAAAkUAAAAAQAAABQAAAAUAAAAFAAAAAEAAAAAAAAAZAAAAGQAAAAAAAAAZAAAAGQAAAAVAAAAYAAAAAAAAAAAAAAADwAAACADAAAAAAAAAAAAAAEAAACgMgAAVgcAAKr4//8BAAAAf39/AAEAAABkAAAAAAAAABQAAABAHwAAAAAAACYAAAAAAAAAwOD//wAAAAAmAAAAZAAAABYAAABMAAAAAAAAAAAAAAAEAAAAAAAAAAEAAACAgIAKAAAAACgAAAAoAAAAZAAAAGQAAAAAAAAAzMzMAAAAAABQAAAAUAAAAGQAAABkAAAAAAAAABcAAAAUAAAAAAAAAAAAAAD/fwAA/38AAAAAAAAJAAAABAAAAAAAAAAeAAAAaAAAAAAAAAAAAAAAAAAAAAAAAAAAAAAAECcAABAnAAAAAAAAAAAAAAAAAAAAAAAAAAAAAAAAAAAAAAAAAAAAABQAAAAAAAAAwMD/AAAAAABkAAAAMgAAAAAAAABkAAAAAAAAAH9/fwAKAAAAIgAAABgAAAAAAAAAAAAAAAAAAAAAAAAAAAAAAAAAAAAkAAAAJAAAAAAAAAAHAAAAAAAAAAAAAAAAAAAAAAAAAAAAAAAAAAAAf39/ACUAAABYAAAAAAAAAAAAAAAAAAAAAAAAAAAAAAAAAAAAAAAAAAAAAAAAAAAAAAAAAAAAAAA/AAAAAAAAAKCGAQAAAAAAAAAAAAAAAAAMAAAAAQAAAAAAAAAAAAAAAAAAAB8AAABUAAAAAAAABQAAAAEAAAAAAAAAAAAAAAAAAAAAAAAAAAAAAAAAAAAAAAAAAAAAAAJ/f38AAAAAA8zMzADAwP8Af39/AAAAAAAAAAAAAAAAAAAAAAAAAAAAIQAAABgAAAAUAAAAoRkAABsnAABfMQAAWSkAABAAAAAmAAAACAAAAP//////////MAAAABQAAAAAAAAAAAD//wAAAQAAAP//AAABAA=="/>
               </a:ext>
             </a:extLst>
           </p:cNvSpPr>
@@ -2995,7 +2995,7 @@
             <a:spLocks noGrp="1" noChangeArrowheads="1"/>
             <a:extLst>
               <a:ext uri="smNativeData">
-                <pr:smNativeData xmlns:pr="smNativeData" xmlns="smNativeData" val="SMDATA_16_a8OGZxMAAAAlAAAAZAAAAA8BAAAAkAAAAEgAAACQAAAASAAAAAAAAAABAAAAAAAAAAEAAABQAAAAAAAAAAAA4D8AAAAAAADgPwAAAAAAAOA/AAAAAAAA4D8AAAAAAADgPwAAAAAAAOA/AAAAAAAA4D8AAAAAAADgPwAAAAAAAOA/AAAAAAAA4D8CAAAAjAAAAAAAAAAAAAAAu+DjDP///wgAAAAAAAAAAAAAAAAAAAAAAAAAAAAAAAAAAAAAZAAAAAEAAABAAAAAAAAAAAAAAAAAAAAAAAAAAAAAAAAAAAAAAAAAAAAAAAAAAAAAAAAAAAAAAAAAAAAAAAAAAAAAAAAAAAAAAAAAAAAAAAAAAAAAAAAAAAAAAAAAAAAAFAAAADwAAAAAAAAAAAAAAAAAAAkUAAAAAQAAABQAAAAUAAAAFAAAAAEAAAAAAAAAZAAAAGQAAAAAAAAAZAAAAGQAAAAVAAAAYAAAAAAAAAAAAAAADwAAACADAAAAAAAAAAAAAAEAAACgMgAAVgcAAKr4//8BAAAAf39/AAEAAABkAAAAAAAAABQAAABAHwAAAAAAACYAAAAAAAAAwOD//wAAAAAmAAAAZAAAABYAAABMAAAAAAAAAAAAAAAEAAAAAAAAAAEAAACAgIAKAAAAACgAAAAoAAAAZAAAAGQAAAAAAAAAzMzMAAAAAABQAAAAUAAAAGQAAABkAAAAAAAAABcAAAAUAAAAAAAAAAAAAAD/fwAA/38AAAAAAAAJAAAABAAAAP////8eAAAAaAAAAAAAAAAAAAAAAAAAAAAAAAAAAAAAECcAABAnAAAAAAAAAAAAAAAAAAAAAAAAAAAAAAAAAAAAAAAAAAAAABQAAAAAAAAAwMD/AAAAAABkAAAAMgAAAAAAAABkAAAAAAAAAH9/fwAKAAAAIgAAABgAAAAAAAAAAAAAAAAAAAAAAAAAAAAAAAAAAAAkAAAAJAAAAAAAAAAHAAAAAAAAAAAAAAAAAAAAAAAAAAAAAAAAAAAAf39/ACUAAABYAAAAAAAAAAAAAAAAAAAAAAAAAAAAAAAAAAAAAAAAAAAAAAAAAAAAAAAAAAAAAAA/AAAAAAAAAKCGAQAAAAAAAAAAAAAAAAAMAAAAAQAAAAAAAAAAAAAAAAAAAB8AAABUAAAAAAAABQAAAAEAAAAAAAAAAAAAAAAAAAAAAAAAAAAAAAAAAAAAAAAAAAAAAAJ/f38AAAAAA8zMzADAwP8Af39/AAAAAAAAAAAAAAAAAAAAAAAAAAAAIQAAABgAAAAUAAAAwTUAABsnAABARwAAWSkAABAAAAAmAAAACAAAAP//////////MAAAABQAAAAAAAAAAAD//wAAAQAAAP//AAABAA=="/>
+                <pr:smNativeData xmlns:pr="smNativeData" xmlns="smNativeData" val="SMDATA_16_jeCHZxMAAAAlAAAAZAAAAA8BAAAAkAAAAEgAAACQAAAASAAAAAAAAAABAAAAAAAAAAEAAABQAAAAAAAAAAAA4D8AAAAAAADgPwAAAAAAAOA/AAAAAAAA4D8AAAAAAADgPwAAAAAAAOA/AAAAAAAA4D8AAAAAAADgPwAAAAAAAOA/AAAAAAAA4D8CAAAAjAAAAAAAAAAAAAAAu+DjDP///wgAAAAAAAAAAAAAAAAAAAAAAAAAAAAAAAAAAAAAZAAAAAEAAABAAAAAAAAAAAAAAAAAAAAAAAAAAAAAAAAAAAAAAAAAAAAAAAAAAAAAAAAAAAAAAAAAAAAAAAAAAAAAAAAAAAAAAAAAAAAAAAAAAAAAAAAAAAAAAAAAAAAAFAAAADwAAAAAAAAAAAAAAAAAAAkUAAAAAQAAABQAAAAUAAAAFAAAAAEAAAAAAAAAZAAAAGQAAAAAAAAAZAAAAGQAAAAVAAAAYAAAAAAAAAAAAAAADwAAACADAAAAAAAAAAAAAAEAAACgMgAAVgcAAKr4//8BAAAAf39/AAEAAABkAAAAAAAAABQAAABAHwAAAAAAACYAAAAAAAAAwOD//wAAAAAmAAAAZAAAABYAAABMAAAAAAAAAAAAAAAEAAAAAAAAAAEAAACAgIAKAAAAACgAAAAoAAAAZAAAAGQAAAAAAAAAzMzMAAAAAABQAAAAUAAAAGQAAABkAAAAAAAAABcAAAAUAAAAAAAAAAAAAAD/fwAA/38AAAAAAAAJAAAABAAAAP////8eAAAAaAAAAAAAAAAAAAAAAAAAAAAAAAAAAAAAECcAABAnAAAAAAAAAAAAAAAAAAAAAAAAAAAAAAAAAAAAAAAAAAAAABQAAAAAAAAAwMD/AAAAAABkAAAAMgAAAAAAAABkAAAAAAAAAH9/fwAKAAAAIgAAABgAAAAAAAAAAAAAAAAAAAAAAAAAAAAAAAAAAAAkAAAAJAAAAAAAAAAHAAAAAAAAAAAAAAAAAAAAAAAAAAAAAAAAAAAAf39/ACUAAABYAAAAAAAAAAAAAAAAAAAAAAAAAAAAAAAAAAAAAAAAAAAAAAAAAAAAAAAAAAAAAAA/AAAAAAAAAKCGAQAAAAAAAAAAAAAAAAAMAAAAAQAAAAAAAAAAAAAAAAAAAB8AAABUAAAAAAAABQAAAAEAAAAAAAAAAAAAAAAAAAAAAAAAAAAAAAAAAAAAAAAAAAAAAAJ/f38AAAAAA8zMzADAwP8Af39/AAAAAAAAAAAAAAAAAAAAAAAAAAAAIQAAABgAAAAUAAAAwTUAABsnAABARwAAWSkAABAAAAAmAAAACAAAAP//////////MAAAABQAAAAAAAAAAAD//wAAAQAAAP//AAABAA=="/>
               </a:ext>
             </a:extLst>
           </p:cNvSpPr>
@@ -3030,7 +3030,7 @@
           </a:lstStyle>
           <a:p>
             <a:pPr/>
-            <a:fld id="{3C72A558-16D1-2753-9FCA-E006EB8469B5}" type="slidenum">
+            <a:fld id="{3D25C670-3ED0-7030-9E9D-C86588D3689D}" type="slidenum">
               <a:t/>
             </a:fld>
           </a:p>
@@ -3709,7 +3709,7 @@
             <a:spLocks noGrp="1" noChangeArrowheads="1"/>
             <a:extLst>
               <a:ext uri="smNativeData">
-                <pr:smNativeData xmlns:pr="smNativeData" xmlns="smNativeData" val="SMDATA_16_a8OGZxMAAAAlAAAAZAAAAA8BAAAAkAAAAEgAAACQAAAASAAAAAAAAAABAAAAAAAAAAEAAABQAAAAAAAAAAAA4D8AAAAAAADgPwAAAAAAAOA/AAAAAAAA4D8AAAAAAADgPwAAAAAAAOA/AAAAAAAA4D8AAAAAAADgPwAAAAAAAOA/AAAAAAAA4D8CAAAAjAAAAAAAAAAAAAAAu+DjDP///wgAAAAAAAAAAAAAAAAAAAAAAAAAAAAAAAAAAAAAZAAAAAEAAABAAAAAAAAAAAAAAAAAAAAAAAAAAAAAAAAAAAAAAAAAAAAAAAAAAAAAAAAAAAAAAAAAAAAAAAAAAAAAAAAAAAAAAAAAAAAAAAAAAAAAAAAAAAAAAAAAAAAAFAAAADwAAAAAAAAAAAAAAAAAAAkUAAAAAQAAABQAAAAUAAAAFAAAAAEAAAAAAAAAZAAAAGQAAAAAAAAAZAAAAGQAAAAVAAAAYAAAAAAAAAAAAAAADwAAACADAAAAAAAAAAAAAAEAAACgMgAAVgcAAKr4//8BAAAAf39/AAEAAABkAAAAAAAAABQAAABAHwAAAAAAACYAAAAAAAAAwOD//wAAAAAmAAAAZAAAABYAAABMAAAAAAAAAAAAAAAEAAAAAAAAAAEAAACAgIAKAAAAACgAAAAoAAAAZAAAAGQAAAAAAAAAzMzMAAAAAABQAAAAUAAAAGQAAABkAAAAAAAAABcAAAAUAAAAAAAAAAAAAAD/fwAA/38AAAAAAAAJAAAABAAAAAAAAAAeAAAAaAAAAAAAAAAAAAAAAAAAAAAAAAAAAAAAECcAABAnAAAAAAAAAAAAAAAAAAAAAAAAAAAAAAAAAAAAAAAAAAAAABQAAAAAAAAAwMD/AAAAAABkAAAAMgAAAAAAAABkAAAAAAAAAH9/fwAKAAAAIgAAABgAAAAAAAAAAAAAAAAAAAAAAAAAAAAAAAAAAAAkAAAAJAAAAAAAAAAHAAAAAAAAAAAAAAAAAAAAAAAAAAAAAAAAAAAAf39/ACUAAABYAAAAAAAAAAAAAAAAAAAAAAAAAAAAAAAAAAAAAAAAAAAAAAAAAAAAAAAAAAAAAAA/AAAAAAAAAKCGAQAAAAAAAAAAAAAAAAAMAAAAAQAAAAAAAAAAAAAAAAAAAB8AAABUAAAAAAAABQAAAAEAAAAAAAAAAAAAAAAAAAAAAAAAAAAAAAAAAAAAAAAAAAAAAAJ/f38AAAAAA8zMzADAwP8Af39/AAAAAAAAAAAAAAAAAAAAAAAAAAAAIQAAABgAAAAUAAAAwAMAALABAABARwAAuAgAABAAAAAmAAAACAAAAAAAAAAAAAAAMAAAABQAAAAAAAAAAAD//wAAAQAAAP//AAABAA=="/>
+                <pr:smNativeData xmlns:pr="smNativeData" xmlns="smNativeData" val="SMDATA_16_jeCHZxMAAAAlAAAAZAAAAA8BAAAAkAAAAEgAAACQAAAASAAAAAAAAAABAAAAAAAAAAEAAABQAAAAAAAAAAAA4D8AAAAAAADgPwAAAAAAAOA/AAAAAAAA4D8AAAAAAADgPwAAAAAAAOA/AAAAAAAA4D8AAAAAAADgPwAAAAAAAOA/AAAAAAAA4D8CAAAAjAAAAAAAAAAAAAAAu+DjDP///wgAAAAAAAAAAAAAAAAAAAAAAAAAAAAAAAAAAAAAZAAAAAEAAABAAAAAAAAAAAAAAAAAAAAAAAAAAAAAAAAAAAAAAAAAAAAAAAAAAAAAAAAAAAAAAAAAAAAAAAAAAAAAAAAAAAAAAAAAAAAAAAAAAAAAAAAAAAAAAAAAAAAAFAAAADwAAAAAAAAAAAAAAAAAAAkUAAAAAQAAABQAAAAUAAAAFAAAAAEAAAAAAAAAZAAAAGQAAAAAAAAAZAAAAGQAAAAVAAAAYAAAAAAAAAAAAAAADwAAACADAAAAAAAAAAAAAAEAAACgMgAAVgcAAKr4//8BAAAAf39/AAEAAABkAAAAAAAAABQAAABAHwAAAAAAACYAAAAAAAAAwOD//wAAAAAmAAAAZAAAABYAAABMAAAAAAAAAAAAAAAEAAAAAAAAAAEAAACAgIAKAAAAACgAAAAoAAAAZAAAAGQAAAAAAAAAzMzMAAAAAABQAAAAUAAAAGQAAABkAAAAAAAAABcAAAAUAAAAAAAAAAAAAAD/fwAA/38AAAAAAAAJAAAABAAAAAAAAAAeAAAAaAAAAAAAAAAAAAAAAAAAAAAAAAAAAAAAECcAABAnAAAAAAAAAAAAAAAAAAAAAAAAAAAAAAAAAAAAAAAAAAAAABQAAAAAAAAAwMD/AAAAAABkAAAAMgAAAAAAAABkAAAAAAAAAH9/fwAKAAAAIgAAABgAAAAAAAAAAAAAAAAAAAAAAAAAAAAAAAAAAAAkAAAAJAAAAAAAAAAHAAAAAAAAAAAAAAAAAAAAAAAAAAAAAAAAAAAAf39/ACUAAABYAAAAAAAAAAAAAAAAAAAAAAAAAAAAAAAAAAAAAAAAAAAAAAAAAAAAAAAAAAAAAAA/AAAAAAAAAKCGAQAAAAAAAAAAAAAAAAAMAAAAAQAAAAAAAAAAAAAAAAAAAB8AAABUAAAAAAAABQAAAAEAAAAAAAAAAAAAAAAAAAAAAAAAAAAAAAAAAAAAAAAAAAAAAAJ/f38AAAAAA8zMzADAwP8Af39/AAAAAAAAAAAAAAAAAAAAAAAAAAAAIQAAABgAAAAUAAAAwAMAALABAABARwAAuAgAABAAAAAmAAAACAAAAAAAAAAAAAAAMAAAABQAAAAAAAAAAAD//wAAAQAAAP//AAABAA=="/>
               </a:ext>
             </a:extLst>
           </p:cNvSpPr>
@@ -3736,7 +3736,7 @@
             <a:spLocks noGrp="1" noChangeArrowheads="1"/>
             <a:extLst>
               <a:ext uri="smNativeData">
-                <pr:smNativeData xmlns:pr="smNativeData" xmlns="smNativeData" val="SMDATA_16_a8OGZxMAAAAlAAAAZAAAAA8BAAAAkAAAAEgAAACQAAAASAAAAAAAAAAAAAAAAAAAAAEAAABQAAAAAAAAAAAA4D8AAAAAAADgPwAAAAAAAOA/AAAAAAAA4D8AAAAAAADgPwAAAAAAAOA/AAAAAAAA4D8AAAAAAADgPwAAAAAAAOA/AAAAAAAA4D8CAAAAjAAAAAAAAAAAAAAAu+DjDP///wgAAAAAAAAAAAAAAAAAAAAAAAAAAAAAAAAAAAAAZAAAAAEAAABAAAAAAAAAAAAAAAAAAAAAAAAAAAAAAAAAAAAAAAAAAAAAAAAAAAAAAAAAAAAAAAAAAAAAAAAAAAAAAAAAAAAAAAAAAAAAAAAAAAAAAAAAAAAAAAAAAAAAFAAAADwAAAAAAAAAAAAAAAAAAAkUAAAAAQAAABQAAAAUAAAAFAAAAAEAAAAAAAAAZAAAAGQAAAAAAAAAZAAAAGQAAAAVAAAAYAAAAAAAAAAAAAAADwAAACADAAAAAAAAAAAAAAEAAACgMgAAVgcAAKr4//8BAAAAf39/AAEAAABkAAAAAAAAABQAAABAHwAAAAAAACYAAAAAAAAAwOD//wAAAAAmAAAAZAAAABYAAABMAAAAAAAAAAAAAAAEAAAAAAAAAAEAAACAgIAKAAAAACgAAAAoAAAAZAAAAGQAAAAAAAAAzMzMAAAAAABQAAAAUAAAAGQAAABkAAAAAAAAABcAAAAUAAAAAAAAAAAAAAD/fwAA/38AAAAAAAAJAAAABAAAAAAAAAAeAAAAaAAAAAAAAAAAAAAAAAAAAAAAAAAAAAAAECcAABAnAAAAAAAAAAAAAAAAAAAAAAAAAAAAAAAAAAAAAAAAAAAAABQAAAAAAAAAwMD/AAAAAABkAAAAMgAAAAAAAABkAAAAAAAAAH9/fwAKAAAAIgAAABgAAAAAAAAAAAAAAAAAAAAAAAAAAAAAAAAAAAAkAAAAJAAAAAAAAAAHAAAAAAAAAAAAAAAAAAAAAAAAAAAAAAAAAAAAf39/ACUAAABYAAAAAAAAAAAAAAAAAAAAAAAAAAAAAAAAAAAAAAAAAAAAAAAAAAAAAAAAAAAAAAA/AAAAAAAAAKCGAQAAAAAAAAAAAAAAAAAMAAAAAQAAAAAAAAAAAAAAAAAAAB8AAABUAAAAAAAABQAAAAEAAAAAAAAAAAAAAAAAAAAAAAAAAAAAAAAAAAAAAAAAAAAAAAJ/f38AAAAAA8zMzADAwP8Af39/AAAAAAAAAAAAAAAAAAAAAAAAAAAAIQAAABgAAAAUAAAAwAMAANgJAABARwAAsCUAABAAAAAmAAAACAAAAAAAAAAAAAAAMAAAABQAAAAAAAAAAAD//wAAAQAAAP//AAABAA=="/>
+                <pr:smNativeData xmlns:pr="smNativeData" xmlns="smNativeData" val="SMDATA_16_jeCHZxMAAAAlAAAAZAAAAA8BAAAAkAAAAEgAAACQAAAASAAAAAAAAAAAAAAAAAAAAAEAAABQAAAAAAAAAAAA4D8AAAAAAADgPwAAAAAAAOA/AAAAAAAA4D8AAAAAAADgPwAAAAAAAOA/AAAAAAAA4D8AAAAAAADgPwAAAAAAAOA/AAAAAAAA4D8CAAAAjAAAAAAAAAAAAAAAu+DjDP///wgAAAAAAAAAAAAAAAAAAAAAAAAAAAAAAAAAAAAAZAAAAAEAAABAAAAAAAAAAAAAAAAAAAAAAAAAAAAAAAAAAAAAAAAAAAAAAAAAAAAAAAAAAAAAAAAAAAAAAAAAAAAAAAAAAAAAAAAAAAAAAAAAAAAAAAAAAAAAAAAAAAAAFAAAADwAAAAAAAAAAAAAAAAAAAkUAAAAAQAAABQAAAAUAAAAFAAAAAEAAAAAAAAAZAAAAGQAAAAAAAAAZAAAAGQAAAAVAAAAYAAAAAAAAAAAAAAADwAAACADAAAAAAAAAAAAAAEAAACgMgAAVgcAAKr4//8BAAAAf39/AAEAAABkAAAAAAAAABQAAABAHwAAAAAAACYAAAAAAAAAwOD//wAAAAAmAAAAZAAAABYAAABMAAAAAAAAAAAAAAAEAAAAAAAAAAEAAACAgIAKAAAAACgAAAAoAAAAZAAAAGQAAAAAAAAAzMzMAAAAAABQAAAAUAAAAGQAAABkAAAAAAAAABcAAAAUAAAAAAAAAAAAAAD/fwAA/38AAAAAAAAJAAAABAAAAAAAAAAeAAAAaAAAAAAAAAAAAAAAAAAAAAAAAAAAAAAAECcAABAnAAAAAAAAAAAAAAAAAAAAAAAAAAAAAAAAAAAAAAAAAAAAABQAAAAAAAAAwMD/AAAAAABkAAAAMgAAAAAAAABkAAAAAAAAAH9/fwAKAAAAIgAAABgAAAAAAAAAAAAAAAAAAAAAAAAAAAAAAAAAAAAkAAAAJAAAAAAAAAAHAAAAAAAAAAAAAAAAAAAAAAAAAAAAAAAAAAAAf39/ACUAAABYAAAAAAAAAAAAAAAAAAAAAAAAAAAAAAAAAAAAAAAAAAAAAAAAAAAAAAAAAAAAAAA/AAAAAAAAAKCGAQAAAAAAAAAAAAAAAAAMAAAAAQAAAAAAAAAAAAAAAAAAAB8AAABUAAAAAAAABQAAAAEAAAAAAAAAAAAAAAAAAAAAAAAAAAAAAAAAAAAAAAAAAAAAAAJ/f38AAAAAA8zMzADAwP8Af39/AAAAAAAAAAAAAAAAAAAAAAAAAAAAIQAAABgAAAAUAAAAwAMAANgJAABARwAAsCUAABAAAAAmAAAACAAAAAAAAAAAAAAAMAAAABQAAAAAAAAAAAD//wAAAQAAAP//AAABAA=="/>
               </a:ext>
             </a:extLst>
           </p:cNvSpPr>
@@ -3797,7 +3797,7 @@
             <a:spLocks noGrp="1" noChangeArrowheads="1"/>
             <a:extLst>
               <a:ext uri="smNativeData">
-                <pr:smNativeData xmlns:pr="smNativeData" xmlns="smNativeData" val="SMDATA_16_a8OGZxMAAAAlAAAAZAAAAA8BAAAAkAAAAEgAAACQAAAASAAAAAAAAAABAAAAAAAAAAEAAABQAAAAAAAAAAAA4D8AAAAAAADgPwAAAAAAAOA/AAAAAAAA4D8AAAAAAADgPwAAAAAAAOA/AAAAAAAA4D8AAAAAAADgPwAAAAAAAOA/AAAAAAAA4D8CAAAAjAAAAAAAAAAAAAAAu+DjDP///wgAAAAAAAAAAAAAAAAAAAAAAAAAAAAAAAAAAAAAZAAAAAEAAABAAAAAAAAAAAAAAAAAAAAAAAAAAAAAAAAAAAAAAAAAAAAAAAAAAAAAAAAAAAAAAAAAAAAAAAAAAAAAAAAAAAAAAAAAAAAAAAAAAAAAAAAAAAAAAAAAAAAAFAAAADwAAAAAAAAAAAAAAAAAAAkUAAAAAQAAABQAAAAUAAAAFAAAAAEAAAAAAAAAZAAAAGQAAAAAAAAAZAAAAGQAAAAVAAAAYAAAAAAAAAAAAAAADwAAACADAAAAAAAAAAAAAAEAAACgMgAAVgcAAKr4//8BAAAAf39/AAEAAABkAAAAAAAAABQAAABAHwAAAAAAACYAAAAAAAAAwOD//wAAAAAmAAAAZAAAABYAAABMAAAAAAAAAAAAAAAEAAAAAAAAAAEAAACAgIAKAAAAACgAAAAoAAAAZAAAAGQAAAAAAAAAzMzMAAAAAABQAAAAUAAAAGQAAABkAAAAAAAAABcAAAAUAAAAAAAAAAAAAAD/fwAA/38AAAAAAAAJAAAABAAAAAAAAAAeAAAAaAAAAAAAAAAAAAAAAAAAAAAAAAAAAAAAECcAABAnAAAAAAAAAAAAAAAAAAAAAAAAAAAAAAAAAAAAAAAAAAAAABQAAAAAAAAAwMD/AAAAAABkAAAAMgAAAAAAAABkAAAAAAAAAH9/fwAKAAAAIgAAABgAAAAAAAAAAAAAAAAAAAAAAAAAAAAAAAAAAAAkAAAAJAAAAAAAAAAHAAAAAAAAAAAAAAAAAAAAAAAAAAAAAAAAAAAAf39/ACUAAABYAAAAAAAAAAAAAAAAAAAAAAAAAAAAAAAAAAAAAAAAAAAAAAAAAAAAAAAAAAAAAAA/AAAAAAAAAKCGAQAAAAAAAAAAAAAAAAAMAAAAAQAAAAAAAAAAAAAAAAAAAB8AAABUAAAAAAAABQAAAAEAAAAAAAAAAAAAAAAAAAAAAAAAAAAAAAAAAAAAAAAAAAAAAAJ/f38AAAAAA8zMzADAwP8Af39/AAAAAAAAAAAAAAAAAAAAAAAAAAAAIQAAABgAAAAUAAAAwAMAALABAABARwAAuAgAABAAAAAmAAAACAAAAAAAAAAAAAAAMAAAABQAAAAAAAAAAAD//wAAAQAAAP//AAABAA=="/>
+                <pr:smNativeData xmlns:pr="smNativeData" xmlns="smNativeData" val="SMDATA_16_jeCHZxMAAAAlAAAAZAAAAA8BAAAAkAAAAEgAAACQAAAASAAAAAAAAAABAAAAAAAAAAEAAABQAAAAAAAAAAAA4D8AAAAAAADgPwAAAAAAAOA/AAAAAAAA4D8AAAAAAADgPwAAAAAAAOA/AAAAAAAA4D8AAAAAAADgPwAAAAAAAOA/AAAAAAAA4D8CAAAAjAAAAAAAAAAAAAAAu+DjDP///wgAAAAAAAAAAAAAAAAAAAAAAAAAAAAAAAAAAAAAZAAAAAEAAABAAAAAAAAAAAAAAAAAAAAAAAAAAAAAAAAAAAAAAAAAAAAAAAAAAAAAAAAAAAAAAAAAAAAAAAAAAAAAAAAAAAAAAAAAAAAAAAAAAAAAAAAAAAAAAAAAAAAAFAAAADwAAAAAAAAAAAAAAAAAAAkUAAAAAQAAABQAAAAUAAAAFAAAAAEAAAAAAAAAZAAAAGQAAAAAAAAAZAAAAGQAAAAVAAAAYAAAAAAAAAAAAAAADwAAACADAAAAAAAAAAAAAAEAAACgMgAAVgcAAKr4//8BAAAAf39/AAEAAABkAAAAAAAAABQAAABAHwAAAAAAACYAAAAAAAAAwOD//wAAAAAmAAAAZAAAABYAAABMAAAAAAAAAAAAAAAEAAAAAAAAAAEAAACAgIAKAAAAACgAAAAoAAAAZAAAAGQAAAAAAAAAzMzMAAAAAABQAAAAUAAAAGQAAABkAAAAAAAAABcAAAAUAAAAAAAAAAAAAAD/fwAA/38AAAAAAAAJAAAABAAAAAAAAAAeAAAAaAAAAAAAAAAAAAAAAAAAAAAAAAAAAAAAECcAABAnAAAAAAAAAAAAAAAAAAAAAAAAAAAAAAAAAAAAAAAAAAAAABQAAAAAAAAAwMD/AAAAAABkAAAAMgAAAAAAAABkAAAAAAAAAH9/fwAKAAAAIgAAABgAAAAAAAAAAAAAAAAAAAAAAAAAAAAAAAAAAAAkAAAAJAAAAAAAAAAHAAAAAAAAAAAAAAAAAAAAAAAAAAAAAAAAAAAAf39/ACUAAABYAAAAAAAAAAAAAAAAAAAAAAAAAAAAAAAAAAAAAAAAAAAAAAAAAAAAAAAAAAAAAAA/AAAAAAAAAKCGAQAAAAAAAAAAAAAAAAAMAAAAAQAAAAAAAAAAAAAAAAAAAB8AAABUAAAAAAAABQAAAAEAAAAAAAAAAAAAAAAAAAAAAAAAAAAAAAAAAAAAAAAAAAAAAAJ/f38AAAAAA8zMzADAwP8Af39/AAAAAAAAAAAAAAAAAAAAAAAAAAAAIQAAABgAAAAUAAAAwAMAALABAABARwAAuAgAABAAAAAmAAAACAAAAAAAAAAAAAAAMAAAABQAAAAAAAAAAAD//wAAAQAAAP//AAABAA=="/>
               </a:ext>
             </a:extLst>
           </p:cNvSpPr>
@@ -3826,7 +3826,7 @@
             <a:spLocks noGrp="1" noChangeArrowheads="1"/>
             <a:extLst>
               <a:ext uri="smNativeData">
-                <pr:smNativeData xmlns:pr="smNativeData" xmlns="smNativeData" val="SMDATA_16_a8OGZxMAAAAlAAAAZAAAAA8BAAAAkAAAAEgAAACQAAAASAAAAAAAAAAAAAAAAAAAAAEAAABQAAAAAAAAAAAA4D8AAAAAAADgPwAAAAAAAOA/AAAAAAAA4D8AAAAAAADgPwAAAAAAAOA/AAAAAAAA4D8AAAAAAADgPwAAAAAAAOA/AAAAAAAA4D8CAAAAjAAAAAAAAAAAAAAAu+DjDP///wgAAAAAAAAAAAAAAAAAAAAAAAAAAAAAAAAAAAAAZAAAAAEAAABAAAAAAAAAAAAAAAAAAAAAAAAAAAAAAAAAAAAAAAAAAAAAAAAAAAAAAAAAAAAAAAAAAAAAAAAAAAAAAAAAAAAAAAAAAAAAAAAAAAAAAAAAAAAAAAAAAAAAFAAAADwAAAAAAAAAAAAAAAAAAAkUAAAAAQAAABQAAAAUAAAAFAAAAAEAAAAAAAAAZAAAAGQAAAAAAAAAZAAAAGQAAAAVAAAAYAAAAAAAAAAAAAAADwAAACADAAAAAAAAAAAAAAEAAACgMgAAVgcAAKr4//8BAAAAf39/AAEAAABkAAAAAAAAABQAAABAHwAAAAAAACYAAAAAAAAAwOD//wAAAAAmAAAAZAAAABYAAABMAAAAAAAAAAAAAAAEAAAAAAAAAAEAAACAgIAKAAAAACgAAAAoAAAAZAAAAGQAAAAAAAAAzMzMAAAAAABQAAAAUAAAAGQAAABkAAAAAAAAABcAAAAUAAAAAAAAAAAAAAD/fwAA/38AAAAAAAAJAAAABAAAAJQyrcweAAAAaAAAAAAAAAAAAAAAAAAAAAAAAAAAAAAAECcAABAnAAAAAAAAAAAAAAAAAAAAAAAAAAAAAAAAAAAAAAAAAAAAABQAAAAAAAAAwMD/AAAAAABkAAAAMgAAAAAAAABkAAAAAAAAAH9/fwAKAAAAIgAAABgAAAAAAAAAAAAAAAAAAAAAAAAAAAAAAAAAAAAkAAAAJAAAAAAAAAAHAAAAAAAAAAAAAAAAAAAAAAAAAAAAAAAAAAAAf39/ACUAAABYAAAAAAAAAAAAAAAAAAAAAAAAAAAAAAAAAAAAAAAAAAAAAAAAAAAAAAAAAAAAAAA/AAAAAAAAAKCGAQAAAAAAAAAAAAAAAAAMAAAAAQAAAAAAAAAAAAAAAAAAAB8AAABUAAAAAAAABQAAAAEAAAAAAAAAAAAAAAAAAAAAAAAAAAAAAAAAAAAAAAAAAAAAAAJ/f38AAAAAA8zMzADAwP8Af39/AAAAAAAAAAAAAAAAAAAAAAAAAAAAIQAAABgAAAAUAAAAwAMAANgJAABARwAAsCUAABAAAAAmAAAACAAAAAAAAAAAAAAAMAAAABQAAAAAAAAAAAD//wAAAQAAAP//AAABAA=="/>
+                <pr:smNativeData xmlns:pr="smNativeData" xmlns="smNativeData" val="SMDATA_16_jeCHZxMAAAAlAAAAZAAAAA8BAAAAkAAAAEgAAACQAAAASAAAAAAAAAAAAAAAAAAAAAEAAABQAAAAAAAAAAAA4D8AAAAAAADgPwAAAAAAAOA/AAAAAAAA4D8AAAAAAADgPwAAAAAAAOA/AAAAAAAA4D8AAAAAAADgPwAAAAAAAOA/AAAAAAAA4D8CAAAAjAAAAAAAAAAAAAAAu+DjDP///wgAAAAAAAAAAAAAAAAAAAAAAAAAAAAAAAAAAAAAZAAAAAEAAABAAAAAAAAAAAAAAAAAAAAAAAAAAAAAAAAAAAAAAAAAAAAAAAAAAAAAAAAAAAAAAAAAAAAAAAAAAAAAAAAAAAAAAAAAAAAAAAAAAAAAAAAAAAAAAAAAAAAAFAAAADwAAAAAAAAAAAAAAAAAAAkUAAAAAQAAABQAAAAUAAAAFAAAAAEAAAAAAAAAZAAAAGQAAAAAAAAAZAAAAGQAAAAVAAAAYAAAAAAAAAAAAAAADwAAACADAAAAAAAAAAAAAAEAAACgMgAAVgcAAKr4//8BAAAAf39/AAEAAABkAAAAAAAAABQAAABAHwAAAAAAACYAAAAAAAAAwOD//wAAAAAmAAAAZAAAABYAAABMAAAAAAAAAAAAAAAEAAAAAAAAAAEAAACAgIAKAAAAACgAAAAoAAAAZAAAAGQAAAAAAAAAzMzMAAAAAABQAAAAUAAAAGQAAABkAAAAAAAAABcAAAAUAAAAAAAAAAAAAAD/fwAA/38AAAAAAAAJAAAABAAAAJQyrcweAAAAaAAAAAAAAAAAAAAAAAAAAAAAAAAAAAAAECcAABAnAAAAAAAAAAAAAAAAAAAAAAAAAAAAAAAAAAAAAAAAAAAAABQAAAAAAAAAwMD/AAAAAABkAAAAMgAAAAAAAABkAAAAAAAAAH9/fwAKAAAAIgAAABgAAAAAAAAAAAAAAAAAAAAAAAAAAAAAAAAAAAAkAAAAJAAAAAAAAAAHAAAAAAAAAAAAAAAAAAAAAAAAAAAAAAAAAAAAf39/ACUAAABYAAAAAAAAAAAAAAAAAAAAAAAAAAAAAAAAAAAAAAAAAAAAAAAAAAAAAAAAAAAAAAA/AAAAAAAAAKCGAQAAAAAAAAAAAAAAAAAMAAAAAQAAAAAAAAAAAAAAAAAAAB8AAABUAAAAAAAABQAAAAEAAAAAAAAAAAAAAAAAAAAAAAAAAAAAAAAAAAAAAAAAAAAAAAJ/f38AAAAAA8zMzADAwP8Af39/AAAAAAAAAAAAAAAAAAAAAAAAAAAAIQAAABgAAAAUAAAAwAMAANgJAABARwAAsCUAABAAAAAmAAAACAAAAAAAAAAAAAAAMAAAABQAAAAAAAAAAAD//wAAAQAAAP//AAABAA=="/>
               </a:ext>
             </a:extLst>
           </p:cNvSpPr>
@@ -3860,7 +3860,7 @@
             <a:picLocks noChangeAspect="1"/>
             <a:extLst>
               <a:ext uri="smNativeData">
-                <pr:smNativeData xmlns:pr="smNativeData" xmlns="smNativeData" val="SMDATA_18_a8OGZxMAAAAlAAAAEQAAAC8BAAAAkAAAAEgAAACQAAAASAAAAAAAAAAAAAAAAAAAAAEAAABQAAAAAAAAAAAA4D8AAAAAAADgPwAAAAAAAOA/AAAAAAAA4D8AAAAAAADgPwAAAAAAAOA/AAAAAAAA4D8AAAAAAADgPwAAAAAAAOA/AAAAAAAA4D8CAAAAjAAAAAAAAAAAAAAAu+DjDP///wgAAAAAAAAAAAAAAAAAAAAAAAAAAAAAAAAAAAAAZAAAAAEAAABAAAAAAAAAAAAAAAAAAAAAAAAAAAAAAAAAAAAAAAAAAAAAAAAAAAAAAAAAAAAAAAAAAAAAAAAAAAAAAAAAAAAAAAAAAAAAAAAAAAAAAAAAAAAAAAAAAAAAFAAAADwAAAAAAAAAAAAAAAAAAAkUAAAAAQAAABQAAAAUAAAAFAAAAAEAAAAAAAAAZAAAAGQAAAAAAAAAZAAAAGQAAAAVAAAAYAAAAAAAAAAAAAAADwAAACADAAAAAAAAAAAAAAEAAACgMgAAVgcAAKr4//8BAAAAf39/AAEAAABkAAAAAAAAABQAAABAHwAAAAAAACYAAAAAAAAAwOD//wAAAAAmAAAAZAAAABYAAABMAAAAAAAAAAAAAAAEAAAAAAAAAAEAAACAgIAKAAAAACgAAAAoAAAAZAAAAGQAAAAAAAAAzMzMAAAAAABQAAAAUAAAAGQAAABkAAAAAAAAAAcAAAA4AAAAAAAAAAAAAAAAAAAA////AAAAAAAAAAAAAAAAAAAAAAAAAAAAAAAAAAAAAABkAAAAZAAAAAAAAAAjAAAABAAAAGQAAAAXAAAAFAAAAAAAAAAAAAAA/38AAP9/AAAAAAAACQAAAAQAAABlAAAAHgAAAGgAAAAAAAAAAAAAAAAAAAAAAAAAAAAAABAnAAAQJwAAAAAAAAAAAAAAAAAAAAAAAAAAAAAAAAAAAAAAAAAAAAAUAAAAAAAAAMDA/wAAAAAAZAAAADIAAAAAAAAAZAAAAAAAAAB/f38ACgAAACIAAAAYAAAAAAAAAAAAAAAAAAAAAAAAAAAAAAAAAAAAJAAAACQAAAAAAAAABwAAAAAAAAAAAAAAAAAAAAAAAAAAAAAAAAAAAH9/fwAlAAAAWAAAAAAAAAAAAAAAAAAAAAAAAAAAAAAAAAAAAAAAAAAAAAAAAAAAAAAAAAAAAAAAPwAAAAAAAACghgEAAAAAAAAAAAAAAAAADAAAAAEAAAAAAAAAAAAAAAAAAAAfAAAAVAAAALvg4wX///8BAAAAAAAAAAAAAAAAAAAAAAAAAAAAAAAAAAAAAAAAAAAAAAACf39/AICAgAPMzMwAwMD/AH9/fwAAAAAAAAAAAAAAAAD///8AAAAAACEAAAAYAAAAFAAAAMADAABHGAAAdEUAAG4iAAAQAAAAJgAAAAgAAAD//////////zAAAAAUAAAAAAAAAAAA//8AAAEAAAD//wAAAQA="/>
+                <pr:smNativeData xmlns:pr="smNativeData" xmlns="smNativeData" val="SMDATA_18_jeCHZxMAAAAlAAAAEQAAAC8BAAAAkAAAAEgAAACQAAAASAAAAAAAAAAAAAAAAAAAAAEAAABQAAAAAAAAAAAA4D8AAAAAAADgPwAAAAAAAOA/AAAAAAAA4D8AAAAAAADgPwAAAAAAAOA/AAAAAAAA4D8AAAAAAADgPwAAAAAAAOA/AAAAAAAA4D8CAAAAjAAAAAAAAAAAAAAAu+DjDP///wgAAAAAAAAAAAAAAAAAAAAAAAAAAAAAAAAAAAAAZAAAAAEAAABAAAAAAAAAAAAAAAAAAAAAAAAAAAAAAAAAAAAAAAAAAAAAAAAAAAAAAAAAAAAAAAAAAAAAAAAAAAAAAAAAAAAAAAAAAAAAAAAAAAAAAAAAAAAAAAAAAAAAFAAAADwAAAAAAAAAAAAAAAAAAAkUAAAAAQAAABQAAAAUAAAAFAAAAAEAAAAAAAAAZAAAAGQAAAAAAAAAZAAAAGQAAAAVAAAAYAAAAAAAAAAAAAAADwAAACADAAAAAAAAAAAAAAEAAACgMgAAVgcAAKr4//8BAAAAf39/AAEAAABkAAAAAAAAABQAAABAHwAAAAAAACYAAAAAAAAAwOD//wAAAAAmAAAAZAAAABYAAABMAAAAAAAAAAAAAAAEAAAAAAAAAAEAAACAgIAKAAAAACgAAAAoAAAAZAAAAGQAAAAAAAAAzMzMAAAAAABQAAAAUAAAAGQAAABkAAAAAAAAAAcAAAA4AAAAAAAAAAAAAAAAAAAA////AAAAAAAAAAAAAAAAAAAAAAAAAAAAAAAAAAAAAABkAAAAZAAAAAAAAAAjAAAABAAAAGQAAAAXAAAAFAAAAAAAAAAAAAAA/38AAP9/AAAAAAAACQAAAAQAAABlAAAAHgAAAGgAAAAAAAAAAAAAAAAAAAAAAAAAAAAAABAnAAAQJwAAAAAAAAAAAAAAAAAAAAAAAAAAAAAAAAAAAAAAAAAAAAAUAAAAAAAAAMDA/wAAAAAAZAAAADIAAAAAAAAAZAAAAAAAAAB/f38ACgAAACIAAAAYAAAAAAAAAAAAAAAAAAAAAAAAAAAAAAAAAAAAJAAAACQAAAAAAAAABwAAAAAAAAAAAAAAAAAAAAAAAAAAAAAAAAAAAH9/fwAlAAAAWAAAAAAAAAAAAAAAAAAAAAAAAAAAAAAAAAAAAAAAAAAAAAAAAAAAAAAAAAAAAAAAPwAAAAAAAACghgEAAAAAAAAAAAAAAAAADAAAAAEAAAAAAAAAAAAAAAAAAAAfAAAAVAAAALvg4wX///8BAAAAAAAAAAAAAAAAAAAAAAAAAAAAAAAAAAAAAAAAAAAAAAACf39/AICAgAPMzMwAwMD/AH9/fwAAAAAAAAAAAAAAAAD///8AAAAAACEAAAAYAAAAFAAAAMADAABHGAAAdEUAAG4iAAAQAAAAJgAAAAgAAAD//////////zAAAAAUAAAAAAAAAAAA//8AAAEAAAD//wAAAQA="/>
               </a:ext>
             </a:extLst>
           </p:cNvPicPr>
@@ -3926,7 +3926,7 @@
             <a:spLocks noGrp="1" noChangeArrowheads="1"/>
             <a:extLst>
               <a:ext uri="smNativeData">
-                <pr:smNativeData xmlns:pr="smNativeData" xmlns="smNativeData" val="SMDATA_16_a8OGZxMAAAAlAAAAZAAAAA8BAAAAkAAAAEgAAACQAAAASAAAAAAAAAABAAAAAAAAAAEAAABQAAAAAAAAAAAA4D8AAAAAAADgPwAAAAAAAOA/AAAAAAAA4D8AAAAAAADgPwAAAAAAAOA/AAAAAAAA4D8AAAAAAADgPwAAAAAAAOA/AAAAAAAA4D8CAAAAjAAAAAAAAAAAAAAAu+DjDP///wgAAAAAAAAAAAAAAAAAAAAAAAAAAAAAAAAAAAAAZAAAAAEAAABAAAAAAAAAAAAAAAAAAAAAAAAAAAAAAAAAAAAAAAAAAAAAAAAAAAAAAAAAAAAAAAAAAAAAAAAAAAAAAAAAAAAAAAAAAAAAAAAAAAAAAAAAAAAAAAAAAAAAFAAAADwAAAAAAAAAAAAAAAAAAAkUAAAAAQAAABQAAAAUAAAAFAAAAAEAAAAAAAAAZAAAAGQAAAAAAAAAZAAAAGQAAAAVAAAAYAAAAAAAAAAAAAAADwAAACADAAAAAAAAAAAAAAEAAACgMgAAVgcAAKr4//8BAAAAf39/AAEAAABkAAAAAAAAABQAAABAHwAAAAAAACYAAAAAAAAAwOD//wAAAAAmAAAAZAAAABYAAABMAAAAAAAAAAAAAAAEAAAAAAAAAAEAAACAgIAKAAAAACgAAAAoAAAAZAAAAGQAAAAAAAAAzMzMAAAAAABQAAAAUAAAAGQAAABkAAAAAAAAABcAAAAUAAAAAAAAAAAAAAD/fwAA/38AAAAAAAAJAAAABAAAAO8CAAAeAAAAaAAAAAAAAAAAAAAAAAAAAAAAAAAAAAAAECcAABAnAAAAAAAAAAAAAAAAAAAAAAAAAAAAAAAAAAAAAAAAAAAAABQAAAAAAAAAwMD/AAAAAABkAAAAMgAAAAAAAABkAAAAAAAAAH9/fwAKAAAAIgAAABgAAAAAAAAAAAAAAAAAAAAAAAAAAAAAAAAAAAAkAAAAJAAAAAAAAAAHAAAAAAAAAAAAAAAAAAAAAAAAAAAAAAAAAAAAf39/ACUAAABYAAAAAAAAAAAAAAAAAAAAAAAAAAAAAAAAAAAAAAAAAAAAAAAAAAAAAAAAAAAAAAA/AAAAAAAAAKCGAQAAAAAAAAAAAAAAAAAMAAAAAQAAAAAAAAAAAAAAAAAAAB8AAABUAAAAAAAABQAAAAEAAAAAAAAAAAAAAAAAAAAAAAAAAAAAAAAAAAAAAAAAAAAAAAJ/f38AAAAAA8zMzADAwP8Af39/AAAAAAAAAAAAAAAAAAAAAAAAAAAAIQAAABgAAAAUAAAAwAMAALABAABARwAAuAgAABAAAAAmAAAACAAAAAAAAAAAAAAAMAAAABQAAAAAAAAAAAD//wAAAQAAAP//AAABAA=="/>
+                <pr:smNativeData xmlns:pr="smNativeData" xmlns="smNativeData" val="SMDATA_16_jeCHZxMAAAAlAAAAZAAAAA8BAAAAkAAAAEgAAACQAAAASAAAAAAAAAABAAAAAAAAAAEAAABQAAAAAAAAAAAA4D8AAAAAAADgPwAAAAAAAOA/AAAAAAAA4D8AAAAAAADgPwAAAAAAAOA/AAAAAAAA4D8AAAAAAADgPwAAAAAAAOA/AAAAAAAA4D8CAAAAjAAAAAAAAAAAAAAAu+DjDP///wgAAAAAAAAAAAAAAAAAAAAAAAAAAAAAAAAAAAAAZAAAAAEAAABAAAAAAAAAAAAAAAAAAAAAAAAAAAAAAAAAAAAAAAAAAAAAAAAAAAAAAAAAAAAAAAAAAAAAAAAAAAAAAAAAAAAAAAAAAAAAAAAAAAAAAAAAAAAAAAAAAAAAFAAAADwAAAAAAAAAAAAAAAAAAAkUAAAAAQAAABQAAAAUAAAAFAAAAAEAAAAAAAAAZAAAAGQAAAAAAAAAZAAAAGQAAAAVAAAAYAAAAAAAAAAAAAAADwAAACADAAAAAAAAAAAAAAEAAACgMgAAVgcAAKr4//8BAAAAf39/AAEAAABkAAAAAAAAABQAAABAHwAAAAAAACYAAAAAAAAAwOD//wAAAAAmAAAAZAAAABYAAABMAAAAAAAAAAAAAAAEAAAAAAAAAAEAAACAgIAKAAAAACgAAAAoAAAAZAAAAGQAAAAAAAAAzMzMAAAAAABQAAAAUAAAAGQAAABkAAAAAAAAABcAAAAUAAAAAAAAAAAAAAD/fwAA/38AAAAAAAAJAAAABAAAAO8CAAAeAAAAaAAAAAAAAAAAAAAAAAAAAAAAAAAAAAAAECcAABAnAAAAAAAAAAAAAAAAAAAAAAAAAAAAAAAAAAAAAAAAAAAAABQAAAAAAAAAwMD/AAAAAABkAAAAMgAAAAAAAABkAAAAAAAAAH9/fwAKAAAAIgAAABgAAAAAAAAAAAAAAAAAAAAAAAAAAAAAAAAAAAAkAAAAJAAAAAAAAAAHAAAAAAAAAAAAAAAAAAAAAAAAAAAAAAAAAAAAf39/ACUAAABYAAAAAAAAAAAAAAAAAAAAAAAAAAAAAAAAAAAAAAAAAAAAAAAAAAAAAAAAAAAAAAA/AAAAAAAAAKCGAQAAAAAAAAAAAAAAAAAMAAAAAQAAAAAAAAAAAAAAAAAAAB8AAABUAAAAAAAABQAAAAEAAAAAAAAAAAAAAAAAAAAAAAAAAAAAAAAAAAAAAAAAAAAAAAJ/f38AAAAAA8zMzADAwP8Af39/AAAAAAAAAAAAAAAAAAAAAAAAAAAAIQAAABgAAAAUAAAAwAMAALABAABARwAAuAgAABAAAAAmAAAACAAAAAAAAAAAAAAAMAAAABQAAAAAAAAAAAD//wAAAQAAAP//AAABAA=="/>
               </a:ext>
             </a:extLst>
           </p:cNvSpPr>
@@ -3953,7 +3953,7 @@
             <a:spLocks noGrp="1" noChangeArrowheads="1"/>
             <a:extLst>
               <a:ext uri="smNativeData">
-                <pr:smNativeData xmlns:pr="smNativeData" xmlns="smNativeData" val="SMDATA_16_a8OGZxMAAAAlAAAAZAAAAA8BAAAAkAAAAEgAAACQAAAASAAAAAAAAAAAAAAAAAAAAAEAAABQAAAAAAAAAAAA4D8AAAAAAADgPwAAAAAAAOA/AAAAAAAA4D8AAAAAAADgPwAAAAAAAOA/AAAAAAAA4D8AAAAAAADgPwAAAAAAAOA/AAAAAAAA4D8CAAAAjAAAAAAAAAAAAAAAu+DjDP///wgAAAAAAAAAAAAAAAAAAAAAAAAAAAAAAAAAAAAAZAAAAAEAAABAAAAAAAAAAAAAAAAAAAAAAAAAAAAAAAAAAAAAAAAAAAAAAAAAAAAAAAAAAAAAAAAAAAAAAAAAAAAAAAAAAAAAAAAAAAAAAAAAAAAAAAAAAAAAAAAAAAAAFAAAADwAAAAAAAAAAAAAAAAAAAkUAAAAAQAAABQAAAAUAAAAFAAAAAEAAAAAAAAAZAAAAGQAAAAAAAAAZAAAAGQAAAAVAAAAYAAAAAAAAAAAAAAADwAAACADAAAAAAAAAAAAAAEAAACgMgAAVgcAAKr4//8BAAAAf39/AAEAAABkAAAAAAAAABQAAABAHwAAAAAAACYAAAAAAAAAwOD//wAAAAAmAAAAZAAAABYAAABMAAAAAAAAAAAAAAAEAAAAAAAAAAEAAACAgIAKAAAAACgAAAAoAAAAZAAAAGQAAAAAAAAAzMzMAAAAAABQAAAAUAAAAGQAAABkAAAAAAAAABcAAAAUAAAAAAAAAAAAAAD/fwAA/38AAAAAAAAJAAAABAAAAGICAAAeAAAAaAAAAAAAAAAAAAAAAAAAAAAAAAAAAAAAECcAABAnAAAAAAAAAAAAAAAAAAAAAAAAAAAAAAAAAAAAAAAAAAAAABQAAAAAAAAAwMD/AAAAAABkAAAAMgAAAAAAAABkAAAAAAAAAH9/fwAKAAAAIgAAABgAAAAAAAAAAAAAAAAAAAAAAAAAAAAAAAAAAAAkAAAAJAAAAAAAAAAHAAAAAAAAAAAAAAAAAAAAAAAAAAAAAAAAAAAAf39/ACUAAABYAAAAAAAAAAAAAAAAAAAAAAAAAAAAAAAAAAAAAAAAAAAAAAAAAAAAAAAAAAAAAAA/AAAAAAAAAKCGAQAAAAAAAAAAAAAAAAAMAAAAAQAAAAAAAAAAAAAAAAAAAB8AAABUAAAAAAAABQAAAAEAAAAAAAAAAAAAAAAAAAAAAAAAAAAAAAAAAAAAAAAAAAAAAAJ/f38AAAAAA8zMzADAwP8Af39/AAAAAAAAAAAAAAAAAAAAAAAAAAAAIQAAABgAAAAUAAAAwAMAANgJAABARwAAsCUAAAAAAAAmAAAACAAAAAEAAAAAAAAAMAAAABQAAAAAAAAAAAD//wAAAQAAAP//AAABAA=="/>
+                <pr:smNativeData xmlns:pr="smNativeData" xmlns="smNativeData" val="SMDATA_16_jeCHZxMAAAAlAAAAZAAAAA8BAAAAkAAAAEgAAACQAAAASAAAAAAAAAAAAAAAAAAAAAEAAABQAAAAAAAAAAAA4D8AAAAAAADgPwAAAAAAAOA/AAAAAAAA4D8AAAAAAADgPwAAAAAAAOA/AAAAAAAA4D8AAAAAAADgPwAAAAAAAOA/AAAAAAAA4D8CAAAAjAAAAAAAAAAAAAAAu+DjDP///wgAAAAAAAAAAAAAAAAAAAAAAAAAAAAAAAAAAAAAZAAAAAEAAABAAAAAAAAAAAAAAAAAAAAAAAAAAAAAAAAAAAAAAAAAAAAAAAAAAAAAAAAAAAAAAAAAAAAAAAAAAAAAAAAAAAAAAAAAAAAAAAAAAAAAAAAAAAAAAAAAAAAAFAAAADwAAAAAAAAAAAAAAAAAAAkUAAAAAQAAABQAAAAUAAAAFAAAAAEAAAAAAAAAZAAAAGQAAAAAAAAAZAAAAGQAAAAVAAAAYAAAAAAAAAAAAAAADwAAACADAAAAAAAAAAAAAAEAAACgMgAAVgcAAKr4//8BAAAAf39/AAEAAABkAAAAAAAAABQAAABAHwAAAAAAACYAAAAAAAAAwOD//wAAAAAmAAAAZAAAABYAAABMAAAAAAAAAAAAAAAEAAAAAAAAAAEAAACAgIAKAAAAACgAAAAoAAAAZAAAAGQAAAAAAAAAzMzMAAAAAABQAAAAUAAAAGQAAABkAAAAAAAAABcAAAAUAAAAAAAAAAAAAAD/fwAA/38AAAAAAAAJAAAABAAAAGICAAAeAAAAaAAAAAAAAAAAAAAAAAAAAAAAAAAAAAAAECcAABAnAAAAAAAAAAAAAAAAAAAAAAAAAAAAAAAAAAAAAAAAAAAAABQAAAAAAAAAwMD/AAAAAABkAAAAMgAAAAAAAABkAAAAAAAAAH9/fwAKAAAAIgAAABgAAAAAAAAAAAAAAAAAAAAAAAAAAAAAAAAAAAAkAAAAJAAAAAAAAAAHAAAAAAAAAAAAAAAAAAAAAAAAAAAAAAAAAAAAf39/ACUAAABYAAAAAAAAAAAAAAAAAAAAAAAAAAAAAAAAAAAAAAAAAAAAAAAAAAAAAAAAAAAAAAA/AAAAAAAAAKCGAQAAAAAAAAAAAAAAAAAMAAAAAQAAAAAAAAAAAAAAAAAAAB8AAABUAAAAAAAABQAAAAEAAAAAAAAAAAAAAAAAAAAAAAAAAAAAAAAAAAAAAAAAAAAAAAJ/f38AAAAAA8zMzADAwP8Af39/AAAAAAAAAAAAAAAAAAAAAAAAAAAAIQAAABgAAAAUAAAAwAMAANgJAABARwAAsCUAABAAAAAmAAAACAAAAAAAAAAAAAAAMAAAABQAAAAAAAAAAAD//wAAAQAAAP//AAABAA=="/>
               </a:ext>
             </a:extLst>
           </p:cNvSpPr>
@@ -3961,12 +3961,7 @@
             <p:ph type="body" idx="1"/>
           </p:nvPr>
         </p:nvSpPr>
-        <p:spPr>
-          <a:xfrm>
-            <a:off x="609600" y="1600200"/>
-            <a:ext cx="10972800" cy="4526280"/>
-          </a:xfrm>
-        </p:spPr>
+        <p:spPr/>
         <p:txBody>
           <a:bodyPr/>
           <a:lstStyle/>
@@ -4017,7 +4012,7 @@
             <a:picLocks noChangeAspect="1"/>
             <a:extLst>
               <a:ext uri="smNativeData">
-                <pr:smNativeData xmlns:pr="smNativeData" xmlns="smNativeData" val="SMDATA_18_a8OGZxMAAAAlAAAAEQAAAC8BAAAAkAAAAEgAAACQAAAASAAAAAAAAAAAAAAAAAAAAAEAAABQAAAAAAAAAAAA4D8AAAAAAADgPwAAAAAAAOA/AAAAAAAA4D8AAAAAAADgPwAAAAAAAOA/AAAAAAAA4D8AAAAAAADgPwAAAAAAAOA/AAAAAAAA4D8CAAAAjAAAAAAAAAAAAAAAu+DjDP///wgAAAAAAAAAAAAAAAAAAAAAAAAAAAAAAAAAAAAAZAAAAAEAAABAAAAAAAAAAAAAAAAAAAAAAAAAAAAAAAAAAAAAAAAAAAAAAAAAAAAAAAAAAAAAAAAAAAAAAAAAAAAAAAAAAAAAAAAAAAAAAAAAAAAAAAAAAAAAAAAAAAAAFAAAADwAAAAAAAAAAAAAAAAAAAkUAAAAAQAAABQAAAAUAAAAFAAAAAEAAAAAAAAAZAAAAGQAAAAAAAAAZAAAAGQAAAAVAAAAYAAAAAAAAAAAAAAADwAAACADAAAAAAAAAAAAAAEAAACgMgAAVgcAAKr4//8BAAAAf39/AAEAAABkAAAAAAAAABQAAABAHwAAAAAAACYAAAAAAAAAwOD//wAAAAAmAAAAZAAAABYAAABMAAAAAAAAAAAAAAAEAAAAAAAAAAEAAACAgIAKAAAAACgAAAAoAAAAZAAAAGQAAAAAAAAAzMzMAAAAAABQAAAAUAAAAGQAAABkAAAAAAAAAAcAAAA4AAAAAAAAAAAAAAAAAAAA////AAAAAAAAAAAAAAAAAAAAAAAAAAAAAAAAAAAAAABkAAAAZAAAAAAAAAAjAAAABAAAAGQAAAAXAAAAFAAAAAAAAAAAAAAA/38AAP9/AAAAAAAACQAAAAQAAAAAAAAAHgAAAGgAAAAAAAAAAAAAAAAAAAAAAAAAAAAAABAnAAAQJwAAAAAAAAAAAAAAAAAAAAAAAAAAAAAAAAAAAAAAAAAAAAAUAAAAAAAAAMDA/wAAAAAAZAAAADIAAAAAAAAAZAAAAAAAAAB/f38ACgAAACIAAAAYAAAAAAAAAAAAAAAAAAAAAAAAAAAAAAAAAAAAJAAAACQAAAAAAAAABwAAAAAAAAAAAAAAAAAAAAAAAAAAAAAAAAAAAH9/fwAlAAAAWAAAAAAAAAAAAAAAAAAAAAAAAAAAAAAAAAAAAAAAAAAAAAAAAAAAAAAAAAAAAAAAPwAAAAAAAACghgEAAAAAAAAAAAAAAAAADAAAAAEAAAAAAAAAAAAAAAAAAAAfAAAAVAAAALvg4wX///8BAAAAAAAAAAAAAAAAAAAAAAAAAAAAAAAAAAAAAAAAAAAAAAACf39/AICAgAPMzMwAwMD/AH9/fwAAAAAAAAAAAAAAAAD///8AAAAAACEAAAAYAAAAFAAAAMADAAD0IAAAmCsAALAlAAAQAAAAJgAAAAgAAAD//////////zAAAAAUAAAAAAAAAAAA//8AAAEAAAD//wAAAQA="/>
+                <pr:smNativeData xmlns:pr="smNativeData" xmlns="smNativeData" val="SMDATA_18_jeCHZxMAAAAlAAAAEQAAAC8BAAAAkAAAAEgAAACQAAAASAAAAAAAAAAAAAAAAAAAAAEAAABQAAAAAAAAAAAA4D8AAAAAAADgPwAAAAAAAOA/AAAAAAAA4D8AAAAAAADgPwAAAAAAAOA/AAAAAAAA4D8AAAAAAADgPwAAAAAAAOA/AAAAAAAA4D8CAAAAjAAAAAAAAAAAAAAAu+DjDP///wgAAAAAAAAAAAAAAAAAAAAAAAAAAAAAAAAAAAAAZAAAAAEAAABAAAAAAAAAAAAAAAAAAAAAAAAAAAAAAAAAAAAAAAAAAAAAAAAAAAAAAAAAAAAAAAAAAAAAAAAAAAAAAAAAAAAAAAAAAAAAAAAAAAAAAAAAAAAAAAAAAAAAFAAAADwAAAAAAAAAAAAAAAAAAAkUAAAAAQAAABQAAAAUAAAAFAAAAAEAAAAAAAAAZAAAAGQAAAAAAAAAZAAAAGQAAAAVAAAAYAAAAAAAAAAAAAAADwAAACADAAAAAAAAAAAAAAEAAACgMgAAVgcAAKr4//8BAAAAf39/AAEAAABkAAAAAAAAABQAAABAHwAAAAAAACYAAAAAAAAAwOD//wAAAAAmAAAAZAAAABYAAABMAAAAAAAAAAAAAAAEAAAAAAAAAAEAAACAgIAKAAAAACgAAAAoAAAAZAAAAGQAAAAAAAAAzMzMAAAAAABQAAAAUAAAAGQAAABkAAAAAAAAAAcAAAA4AAAAAAAAAAAAAAAAAAAA////AAAAAAAAAAAAAAAAAAAAAAAAAAAAAAAAAAAAAABkAAAAZAAAAAAAAAAjAAAABAAAAGQAAAAXAAAAFAAAAAAAAAAAAAAA/38AAP9/AAAAAAAACQAAAAQAAAAAAAAAHgAAAGgAAAAAAAAAAAAAAAAAAAAAAAAAAAAAABAnAAAQJwAAAAAAAAAAAAAAAAAAAAAAAAAAAAAAAAAAAAAAAAAAAAAUAAAAAAAAAMDA/wAAAAAAZAAAADIAAAAAAAAAZAAAAAAAAAB/f38ACgAAACIAAAAYAAAAAAAAAAAAAAAAAAAAAAAAAAAAAAAAAAAAJAAAACQAAAAAAAAABwAAAAAAAAAAAAAAAAAAAAAAAAAAAAAAAAAAAH9/fwAlAAAAWAAAAAAAAAAAAAAAAAAAAAAAAAAAAAAAAAAAAAAAAAAAAAAAAAAAAAAAAAAAAAAAPwAAAAAAAACghgEAAAAAAAAAAAAAAAAADAAAAAEAAAAAAAAAAAAAAAAAAAAfAAAAVAAAALvg4wX///8BAAAAAAAAAAAAAAAAAAAAAAAAAAAAAAAAAAAAAAAAAAAAAAACf39/AICAgAPMzMwAwMD/AH9/fwAAAAAAAAAAAAAAAAD///8AAAAAACEAAAAYAAAAFAAAAMADAAD0IAAAmCsAALAlAAAQAAAAJgAAAAgAAAD//////////zAAAAAUAAAAAAAAAAAA//8AAAEAAAD//wAAAQA="/>
               </a:ext>
             </a:extLst>
           </p:cNvPicPr>
@@ -4083,7 +4078,7 @@
             <a:spLocks noGrp="1" noChangeArrowheads="1"/>
             <a:extLst>
               <a:ext uri="smNativeData">
-                <pr:smNativeData xmlns:pr="smNativeData" xmlns="smNativeData" val="SMDATA_16_a8OGZxMAAAAlAAAAZAAAAA8BAAAAkAAAAEgAAACQAAAASAAAAAAAAAABAAAAAAAAAAEAAABQAAAAAAAAAAAA4D8AAAAAAADgPwAAAAAAAOA/AAAAAAAA4D8AAAAAAADgPwAAAAAAAOA/AAAAAAAA4D8AAAAAAADgPwAAAAAAAOA/AAAAAAAA4D8CAAAAjAAAAAAAAAAAAAAAu+DjDP///wgAAAAAAAAAAAAAAAAAAAAAAAAAAAAAAAAAAAAAZAAAAAEAAABAAAAAAAAAAAAAAAAAAAAAAAAAAAAAAAAAAAAAAAAAAAAAAAAAAAAAAAAAAAAAAAAAAAAAAAAAAAAAAAAAAAAAAAAAAAAAAAAAAAAAAAAAAAAAAAAAAAAAFAAAADwAAAAAAAAAAAAAAAAAAAkUAAAAAQAAABQAAAAUAAAAFAAAAAEAAAAAAAAAZAAAAGQAAAAAAAAAZAAAAGQAAAAVAAAAYAAAAAAAAAAAAAAADwAAACADAAAAAAAAAAAAAAEAAACgMgAAVgcAAKr4//8BAAAAf39/AAEAAABkAAAAAAAAABQAAABAHwAAAAAAACYAAAAAAAAAwOD//wAAAAAmAAAAZAAAABYAAABMAAAAAAAAAAAAAAAEAAAAAAAAAAEAAACAgIAKAAAAACgAAAAoAAAAZAAAAGQAAAAAAAAAzMzMAAAAAABQAAAAUAAAAGQAAABkAAAAAAAAABcAAAAUAAAAAAAAAAAAAAD/fwAA/38AAAAAAAAJAAAABAAAAGICAAAeAAAAaAAAAAAAAAAAAAAAAAAAAAAAAAAAAAAAECcAABAnAAAAAAAAAAAAAAAAAAAAAAAAAAAAAAAAAAAAAAAAAAAAABQAAAAAAAAAwMD/AAAAAABkAAAAMgAAAAAAAABkAAAAAAAAAH9/fwAKAAAAIgAAABgAAAAAAAAAAAAAAAAAAAAAAAAAAAAAAAAAAAAkAAAAJAAAAAAAAAAHAAAAAAAAAAAAAAAAAAAAAAAAAAAAAAAAAAAAf39/ACUAAABYAAAAAAAAAAAAAAAAAAAAAAAAAAAAAAAAAAAAAAAAAAAAAAAAAAAAAAAAAAAAAAA/AAAAAAAAAKCGAQAAAAAAAAAAAAAAAAAMAAAAAQAAAAAAAAAAAAAAAAAAAB8AAABUAAAAAAAABQAAAAEAAAAAAAAAAAAAAAAAAAAAAAAAAAAAAAAAAAAAAAAAAAAAAAJ/f38AAAAAA8zMzADAwP8Af39/AAAAAAAAAAAAAAAAAAAAAAAAAAAAIQAAABgAAAAUAAAAwAMAALABAABARwAAuAgAABAAAAAmAAAACAAAAAAAAAAAAAAAMAAAABQAAAAAAAAAAAD//wAAAQAAAP//AAABAA=="/>
+                <pr:smNativeData xmlns:pr="smNativeData" xmlns="smNativeData" val="SMDATA_16_jeCHZxMAAAAlAAAAZAAAAA8BAAAAkAAAAEgAAACQAAAASAAAAAAAAAABAAAAAAAAAAEAAABQAAAAAAAAAAAA4D8AAAAAAADgPwAAAAAAAOA/AAAAAAAA4D8AAAAAAADgPwAAAAAAAOA/AAAAAAAA4D8AAAAAAADgPwAAAAAAAOA/AAAAAAAA4D8CAAAAjAAAAAAAAAAAAAAAu+DjDP///wgAAAAAAAAAAAAAAAAAAAAAAAAAAAAAAAAAAAAAZAAAAAEAAABAAAAAAAAAAAAAAAAAAAAAAAAAAAAAAAAAAAAAAAAAAAAAAAAAAAAAAAAAAAAAAAAAAAAAAAAAAAAAAAAAAAAAAAAAAAAAAAAAAAAAAAAAAAAAAAAAAAAAFAAAADwAAAAAAAAAAAAAAAAAAAkUAAAAAQAAABQAAAAUAAAAFAAAAAEAAAAAAAAAZAAAAGQAAAAAAAAAZAAAAGQAAAAVAAAAYAAAAAAAAAAAAAAADwAAACADAAAAAAAAAAAAAAEAAACgMgAAVgcAAKr4//8BAAAAf39/AAEAAABkAAAAAAAAABQAAABAHwAAAAAAACYAAAAAAAAAwOD//wAAAAAmAAAAZAAAABYAAABMAAAAAAAAAAAAAAAEAAAAAAAAAAEAAACAgIAKAAAAACgAAAAoAAAAZAAAAGQAAAAAAAAAzMzMAAAAAABQAAAAUAAAAGQAAABkAAAAAAAAABcAAAAUAAAAAAAAAAAAAAD/fwAA/38AAAAAAAAJAAAABAAAAGICAAAeAAAAaAAAAAAAAAAAAAAAAAAAAAAAAAAAAAAAECcAABAnAAAAAAAAAAAAAAAAAAAAAAAAAAAAAAAAAAAAAAAAAAAAABQAAAAAAAAAwMD/AAAAAABkAAAAMgAAAAAAAABkAAAAAAAAAH9/fwAKAAAAIgAAABgAAAAAAAAAAAAAAAAAAAAAAAAAAAAAAAAAAAAkAAAAJAAAAAAAAAAHAAAAAAAAAAAAAAAAAAAAAAAAAAAAAAAAAAAAf39/ACUAAABYAAAAAAAAAAAAAAAAAAAAAAAAAAAAAAAAAAAAAAAAAAAAAAAAAAAAAAAAAAAAAAA/AAAAAAAAAKCGAQAAAAAAAAAAAAAAAAAMAAAAAQAAAAAAAAAAAAAAAAAAAB8AAABUAAAAAAAABQAAAAEAAAAAAAAAAAAAAAAAAAAAAAAAAAAAAAAAAAAAAAAAAAAAAAJ/f38AAAAAA8zMzADAwP8Af39/AAAAAAAAAAAAAAAAAAAAAAAAAAAAIQAAABgAAAAUAAAAwAMAALABAABARwAAuAgAAAAAAAAmAAAACAAAAAEAAAAAAAAAMAAAABQAAAAAAAAAAAD//wAAAQAAAP//AAABAA=="/>
               </a:ext>
             </a:extLst>
           </p:cNvSpPr>
@@ -4091,14 +4086,19 @@
             <p:ph type="title"/>
           </p:nvPr>
         </p:nvSpPr>
-        <p:spPr/>
-        <p:txBody>
-          <a:bodyPr/>
-          <a:lstStyle/>
-          <a:p>
-            <a:pPr/>
-            <a:r>
-              <a:t>Грубо, доля верных ответов</a:t>
+        <p:spPr>
+          <a:xfrm>
+            <a:off x="609600" y="274320"/>
+            <a:ext cx="10972800" cy="1143000"/>
+          </a:xfrm>
+        </p:spPr>
+        <p:txBody>
+          <a:bodyPr/>
+          <a:lstStyle/>
+          <a:p>
+            <a:pPr/>
+            <a:r>
+              <a:t>Доля верных ответов</a:t>
             </a:r>
           </a:p>
         </p:txBody>
@@ -4110,7 +4110,7 @@
             <a:spLocks noGrp="1" noChangeArrowheads="1"/>
             <a:extLst>
               <a:ext uri="smNativeData">
-                <pr:smNativeData xmlns:pr="smNativeData" xmlns="smNativeData" val="SMDATA_16_a8OGZxMAAAAlAAAAZAAAAA8BAAAAkAAAAEgAAACQAAAASAAAAAAAAAAAAAAAAAAAAAEAAABQAAAAAAAAAAAA4D8AAAAAAADgPwAAAAAAAOA/AAAAAAAA4D8AAAAAAADgPwAAAAAAAOA/AAAAAAAA4D8AAAAAAADgPwAAAAAAAOA/AAAAAAAA4D8CAAAAjAAAAAAAAAAAAAAAu+DjDP///wgAAAAAAAAAAAAAAAAAAAAAAAAAAAAAAAAAAAAAZAAAAAEAAABAAAAAAAAAAAAAAAAAAAAAAAAAAAAAAAAAAAAAAAAAAAAAAAAAAAAAAAAAAAAAAAAAAAAAAAAAAAAAAAAAAAAAAAAAAAAAAAAAAAAAAAAAAAAAAAAAAAAAFAAAADwAAAAAAAAAAAAAAAAAAAkUAAAAAQAAABQAAAAUAAAAFAAAAAEAAAAAAAAAZAAAAGQAAAAAAAAAZAAAAGQAAAAVAAAAYAAAAAAAAAAAAAAADwAAACADAAAAAAAAAAAAAAEAAACgMgAAVgcAAKr4//8BAAAAf39/AAEAAABkAAAAAAAAABQAAABAHwAAAAAAACYAAAAAAAAAwOD//wAAAAAmAAAAZAAAABYAAABMAAAAAAAAAAAAAAAEAAAAAAAAAAEAAACAgIAKAAAAACgAAAAoAAAAZAAAAGQAAAAAAAAAzMzMAAAAAABQAAAAUAAAAGQAAABkAAAAAAAAABcAAAAUAAAAAAAAAAAAAAD/fwAA/38AAAAAAAAJAAAABAAAAGICAAAeAAAAaAAAAAAAAAAAAAAAAAAAAAAAAAAAAAAAECcAABAnAAAAAAAAAAAAAAAAAAAAAAAAAAAAAAAAAAAAAAAAAAAAABQAAAAAAAAAwMD/AAAAAABkAAAAMgAAAAAAAABkAAAAAAAAAH9/fwAKAAAAIgAAABgAAAAAAAAAAAAAAAAAAAAAAAAAAAAAAAAAAAAkAAAAJAAAAAAAAAAHAAAAAAAAAAAAAAAAAAAAAAAAAAAAAAAAAAAAf39/ACUAAABYAAAAAAAAAAAAAAAAAAAAAAAAAAAAAAAAAAAAAAAAAAAAAAAAAAAAAAAAAAAAAAA/AAAAAAAAAKCGAQAAAAAAAAAAAAAAAAAMAAAAAQAAAAAAAAAAAAAAAAAAAB8AAABUAAAAAAAABQAAAAEAAAAAAAAAAAAAAAAAAAAAAAAAAAAAAAAAAAAAAAAAAAAAAAJ/f38AAAAAA8zMzADAwP8Af39/AAAAAAAAAAAAAAAAAAAAAAAAAAAAIQAAABgAAAAUAAAAwAMAANgJAABARwAAsCUAABAAAAAmAAAACAAAAAAAAAAAAAAAMAAAABQAAAAAAAAAAAD//wAAAQAAAP//AAABAA=="/>
+                <pr:smNativeData xmlns:pr="smNativeData" xmlns="smNativeData" val="SMDATA_16_jeCHZxMAAAAlAAAAZAAAAA8BAAAAkAAAAEgAAACQAAAASAAAAAAAAAAAAAAAAAAAAAEAAABQAAAAAAAAAAAA4D8AAAAAAADgPwAAAAAAAOA/AAAAAAAA4D8AAAAAAADgPwAAAAAAAOA/AAAAAAAA4D8AAAAAAADgPwAAAAAAAOA/AAAAAAAA4D8CAAAAjAAAAAAAAAAAAAAAu+DjDP///wgAAAAAAAAAAAAAAAAAAAAAAAAAAAAAAAAAAAAAZAAAAAEAAABAAAAAAAAAAAAAAAAAAAAAAAAAAAAAAAAAAAAAAAAAAAAAAAAAAAAAAAAAAAAAAAAAAAAAAAAAAAAAAAAAAAAAAAAAAAAAAAAAAAAAAAAAAAAAAAAAAAAAFAAAADwAAAAAAAAAAAAAAAAAAAkUAAAAAQAAABQAAAAUAAAAFAAAAAEAAAAAAAAAZAAAAGQAAAAAAAAAZAAAAGQAAAAVAAAAYAAAAAAAAAAAAAAADwAAACADAAAAAAAAAAAAAAEAAACgMgAAVgcAAKr4//8BAAAAf39/AAEAAABkAAAAAAAAABQAAABAHwAAAAAAACYAAAAAAAAAwOD//wAAAAAmAAAAZAAAABYAAABMAAAAAAAAAAAAAAAEAAAAAAAAAAEAAACAgIAKAAAAACgAAAAoAAAAZAAAAGQAAAAAAAAAzMzMAAAAAABQAAAAUAAAAGQAAABkAAAAAAAAABcAAAAUAAAAAAAAAAAAAAD/fwAA/38AAAAAAAAJAAAABAAAAGICAAAeAAAAaAAAAAAAAAAAAAAAAAAAAAAAAAAAAAAAECcAABAnAAAAAAAAAAAAAAAAAAAAAAAAAAAAAAAAAAAAAAAAAAAAABQAAAAAAAAAwMD/AAAAAABkAAAAMgAAAAAAAABkAAAAAAAAAH9/fwAKAAAAIgAAABgAAAAAAAAAAAAAAAAAAAAAAAAAAAAAAAAAAAAkAAAAJAAAAAAAAAAHAAAAAAAAAAAAAAAAAAAAAAAAAAAAAAAAAAAAf39/ACUAAABYAAAAAAAAAAAAAAAAAAAAAAAAAAAAAAAAAAAAAAAAAAAAAAAAAAAAAAAAAAAAAAA/AAAAAAAAAKCGAQAAAAAAAAAAAAAAAAAMAAAAAQAAAAAAAAAAAAAAAAAAAB8AAABUAAAAAAAABQAAAAEAAAAAAAAAAAAAAAAAAAAAAAAAAAAAAAAAAAAAAAAAAAAAAAJ/f38AAAAAA8zMzADAwP8Af39/AAAAAAAAAAAAAAAAAAAAAAAAAAAAIQAAABgAAAAUAAAAwAMAANgJAABARwAAsCUAAAAAAAAmAAAACAAAAAEAAAAAAAAAMAAAABQAAAAAAAAAAAD//wAAAQAAAP//AAABAA=="/>
               </a:ext>
             </a:extLst>
           </p:cNvSpPr>
@@ -4118,7 +4118,12 @@
             <p:ph type="body" idx="1"/>
           </p:nvPr>
         </p:nvSpPr>
-        <p:spPr/>
+        <p:spPr>
+          <a:xfrm>
+            <a:off x="609600" y="1600200"/>
+            <a:ext cx="10972800" cy="4526280"/>
+          </a:xfrm>
+        </p:spPr>
         <p:txBody>
           <a:bodyPr/>
           <a:lstStyle/>
@@ -4139,7 +4144,7 @@
             </a:r>
             <a:br/>
             <a:r>
-              <a:t>4 явно неподходящих (авиакомпания, Русолово, аллюминий, Мостотрест).</a:t>
+              <a:t>4 явно неподходящих (авиакомпания, Русолово, аллюминий, Мостотрест);</a:t>
             </a:r>
           </a:p>
           <a:p>
@@ -4147,7 +4152,15 @@
               <a:buNone/>
             </a:pPr>
             <a:r>
-              <a:t>Получается грубо accuracy ≈ 0,83.</a:t>
+              <a:t>4 под вопросом (непонятна принадлежность).</a:t>
+            </a:r>
+          </a:p>
+          <a:p>
+            <a:pPr marL="0" indent="0">
+              <a:buNone/>
+            </a:pPr>
+            <a:r>
+              <a:t>Получается грубо accuracy ≈ в пределах [0,65; 0,83].</a:t>
             </a:r>
           </a:p>
         </p:txBody>
@@ -4191,7 +4204,7 @@
             <a:spLocks noGrp="1" noChangeArrowheads="1"/>
             <a:extLst>
               <a:ext uri="smNativeData">
-                <pr:smNativeData xmlns:pr="smNativeData" xmlns="smNativeData" val="SMDATA_16_a8OGZxMAAAAlAAAAZAAAAA8BAAAAkAAAAEgAAACQAAAASAAAAAAAAAABAAAAAAAAAAEAAABQAAAAAAAAAAAA4D8AAAAAAADgPwAAAAAAAOA/AAAAAAAA4D8AAAAAAADgPwAAAAAAAOA/AAAAAAAA4D8AAAAAAADgPwAAAAAAAOA/AAAAAAAA4D8CAAAAjAAAAAAAAAAAAAAAu+DjDP///wgAAAAAAAAAAAAAAAAAAAAAAAAAAAAAAAAAAAAAZAAAAAEAAABAAAAAAAAAAAAAAAAAAAAAAAAAAAAAAAAAAAAAAAAAAAAAAAAAAAAAAAAAAAAAAAAAAAAAAAAAAAAAAAAAAAAAAAAAAAAAAAAAAAAAAAAAAAAAAAAAAAAAFAAAADwAAAAAAAAAAAAAAAAAAAkUAAAAAQAAABQAAAAUAAAAFAAAAAEAAAAAAAAAZAAAAGQAAAAAAAAAZAAAAGQAAAAVAAAAYAAAAAAAAAAAAAAADwAAACADAAAAAAAAAAAAAAEAAACgMgAAVgcAAKr4//8BAAAAf39/AAEAAABkAAAAAAAAABQAAABAHwAAAAAAACYAAAAAAAAAwOD//wAAAAAmAAAAZAAAABYAAABMAAAAAAAAAAAAAAAEAAAAAAAAAAEAAACAgIAKAAAAACgAAAAoAAAAZAAAAGQAAAAAAAAAzMzMAAAAAABQAAAAUAAAAGQAAABkAAAAAAAAABcAAAAUAAAAAAAAAAAAAAD/fwAA/38AAAAAAAAJAAAABAAAANEAAAAeAAAAaAAAAAAAAAAAAAAAAAAAAAAAAAAAAAAAECcAABAnAAAAAAAAAAAAAAAAAAAAAAAAAAAAAAAAAAAAAAAAAAAAABQAAAAAAAAAwMD/AAAAAABkAAAAMgAAAAAAAABkAAAAAAAAAH9/fwAKAAAAIgAAABgAAAAAAAAAAAAAAAAAAAAAAAAAAAAAAAAAAAAkAAAAJAAAAAAAAAAHAAAAAAAAAAAAAAAAAAAAAAAAAAAAAAAAAAAAf39/ACUAAABYAAAAAAAAAAAAAAAAAAAAAAAAAAAAAAAAAAAAAAAAAAAAAAAAAAAAAAAAAAAAAAA/AAAAAAAAAKCGAQAAAAAAAAAAAAAAAAAMAAAAAQAAAAAAAAAAAAAAAAAAAB8AAABUAAAAAAAABQAAAAEAAAAAAAAAAAAAAAAAAAAAAAAAAAAAAAAAAAAAAAAAAAAAAAJ/f38AAAAAA8zMzADAwP8Af39/AAAAAAAAAAAAAAAAAAAAAAAAAAAAIQAAABgAAAAUAAAAwAMAALABAABARwAAuAgAABAAAAAmAAAACAAAAAAAAAAAAAAAMAAAABQAAAAAAAAAAAD//wAAAQAAAP//AAABAA=="/>
+                <pr:smNativeData xmlns:pr="smNativeData" xmlns="smNativeData" val="SMDATA_16_jeCHZxMAAAAlAAAAZAAAAA8BAAAAkAAAAEgAAACQAAAASAAAAAAAAAABAAAAAAAAAAEAAABQAAAAAAAAAAAA4D8AAAAAAADgPwAAAAAAAOA/AAAAAAAA4D8AAAAAAADgPwAAAAAAAOA/AAAAAAAA4D8AAAAAAADgPwAAAAAAAOA/AAAAAAAA4D8CAAAAjAAAAAAAAAAAAAAAu+DjDP///wgAAAAAAAAAAAAAAAAAAAAAAAAAAAAAAAAAAAAAZAAAAAEAAABAAAAAAAAAAAAAAAAAAAAAAAAAAAAAAAAAAAAAAAAAAAAAAAAAAAAAAAAAAAAAAAAAAAAAAAAAAAAAAAAAAAAAAAAAAAAAAAAAAAAAAAAAAAAAAAAAAAAAFAAAADwAAAAAAAAAAAAAAAAAAAkUAAAAAQAAABQAAAAUAAAAFAAAAAEAAAAAAAAAZAAAAGQAAAAAAAAAZAAAAGQAAAAVAAAAYAAAAAAAAAAAAAAADwAAACADAAAAAAAAAAAAAAEAAACgMgAAVgcAAKr4//8BAAAAf39/AAEAAABkAAAAAAAAABQAAABAHwAAAAAAACYAAAAAAAAAwOD//wAAAAAmAAAAZAAAABYAAABMAAAAAAAAAAAAAAAEAAAAAAAAAAEAAACAgIAKAAAAACgAAAAoAAAAZAAAAGQAAAAAAAAAzMzMAAAAAABQAAAAUAAAAGQAAABkAAAAAAAAABcAAAAUAAAAAAAAAAAAAAD/fwAA/38AAAAAAAAJAAAABAAAANEAAAAeAAAAaAAAAAAAAAAAAAAAAAAAAAAAAAAAAAAAECcAABAnAAAAAAAAAAAAAAAAAAAAAAAAAAAAAAAAAAAAAAAAAAAAABQAAAAAAAAAwMD/AAAAAABkAAAAMgAAAAAAAABkAAAAAAAAAH9/fwAKAAAAIgAAABgAAAAAAAAAAAAAAAAAAAAAAAAAAAAAAAAAAAAkAAAAJAAAAAAAAAAHAAAAAAAAAAAAAAAAAAAAAAAAAAAAAAAAAAAAf39/ACUAAABYAAAAAAAAAAAAAAAAAAAAAAAAAAAAAAAAAAAAAAAAAAAAAAAAAAAAAAAAAAAAAAA/AAAAAAAAAKCGAQAAAAAAAAAAAAAAAAAMAAAAAQAAAAAAAAAAAAAAAAAAAB8AAABUAAAAAAAABQAAAAEAAAAAAAAAAAAAAAAAAAAAAAAAAAAAAAAAAAAAAAAAAAAAAAJ/f38AAAAAA8zMzADAwP8Af39/AAAAAAAAAAAAAAAAAAAAAAAAAAAAIQAAABgAAAAUAAAAwAMAALABAABARwAAuAgAABAAAAAmAAAACAAAAAAAAAAAAAAAMAAAABQAAAAAAAAAAAD//wAAAQAAAP//AAABAA=="/>
               </a:ext>
             </a:extLst>
           </p:cNvSpPr>
@@ -4218,7 +4231,7 @@
             <a:spLocks noGrp="1" noChangeArrowheads="1"/>
             <a:extLst>
               <a:ext uri="smNativeData">
-                <pr:smNativeData xmlns:pr="smNativeData" xmlns="smNativeData" val="SMDATA_16_a8OGZxMAAAAlAAAAZAAAAA8BAAAAkAAAAEgAAACQAAAASAAAAAAAAAAAAAAAAAAAAAEAAABQAAAAAAAAAAAA4D8AAAAAAADgPwAAAAAAAOA/AAAAAAAA4D8AAAAAAADgPwAAAAAAAOA/AAAAAAAA4D8AAAAAAADgPwAAAAAAAOA/AAAAAAAA4D8CAAAAjAAAAAAAAAAAAAAAu+DjDP///wgAAAAAAAAAAAAAAAAAAAAAAAAAAAAAAAAAAAAAZAAAAAEAAABAAAAAAAAAAAAAAAAAAAAAAAAAAAAAAAAAAAAAAAAAAAAAAAAAAAAAAAAAAAAAAAAAAAAAAAAAAAAAAAAAAAAAAAAAAAAAAAAAAAAAAAAAAAAAAAAAAAAAFAAAADwAAAAAAAAAAAAAAAAAAAkUAAAAAQAAABQAAAAUAAAAFAAAAAEAAAAAAAAAZAAAAGQAAAAAAAAAZAAAAGQAAAAVAAAAYAAAAAAAAAAAAAAADwAAACADAAAAAAAAAAAAAAEAAACgMgAAVgcAAKr4//8BAAAAf39/AAEAAABkAAAAAAAAABQAAABAHwAAAAAAACYAAAAAAAAAwOD//wAAAAAmAAAAZAAAABYAAABMAAAAAAAAAAAAAAAEAAAAAAAAAAEAAACAgIAKAAAAACgAAAAoAAAAZAAAAGQAAAAAAAAAzMzMAAAAAABQAAAAUAAAAGQAAABkAAAAAAAAABcAAAAUAAAAAAAAAAAAAAD/fwAA/38AAAAAAAAJAAAABAAAAO8CAAAeAAAAaAAAAAAAAAAAAAAAAAAAAAAAAAAAAAAAECcAABAnAAAAAAAAAAAAAAAAAAAAAAAAAAAAAAAAAAAAAAAAAAAAABQAAAAAAAAAwMD/AAAAAABkAAAAMgAAAAAAAABkAAAAAAAAAH9/fwAKAAAAIgAAABgAAAAAAAAAAAAAAAAAAAAAAAAAAAAAAAAAAAAkAAAAJAAAAAAAAAAHAAAAAAAAAAAAAAAAAAAAAAAAAAAAAAAAAAAAf39/ACUAAABYAAAAAAAAAAAAAAAAAAAAAAAAAAAAAAAAAAAAAAAAAAAAAAAAAAAAAAAAAAAAAAA/AAAAAAAAAKCGAQAAAAAAAAAAAAAAAAAMAAAAAQAAAAAAAAAAAAAAAAAAAB8AAABUAAAAAAAABQAAAAEAAAAAAAAAAAAAAAAAAAAAAAAAAAAAAAAAAAAAAAAAAAAAAAJ/f38AAAAAA8zMzADAwP8Af39/AAAAAAAAAAAAAAAAAAAAAAAAAAAAIQAAABgAAAAUAAAAwAMAANgJAABARwAAsCUAABAAAAAmAAAACAAAAAAAAAAAAAAAMAAAABQAAAAAAAAAAAD//wAAAQAAAP//AAABAA=="/>
+                <pr:smNativeData xmlns:pr="smNativeData" xmlns="smNativeData" val="SMDATA_16_jeCHZxMAAAAlAAAAZAAAAA8BAAAAkAAAAEgAAACQAAAASAAAAAAAAAAAAAAAAAAAAAEAAABQAAAAAAAAAAAA4D8AAAAAAADgPwAAAAAAAOA/AAAAAAAA4D8AAAAAAADgPwAAAAAAAOA/AAAAAAAA4D8AAAAAAADgPwAAAAAAAOA/AAAAAAAA4D8CAAAAjAAAAAAAAAAAAAAAu+DjDP///wgAAAAAAAAAAAAAAAAAAAAAAAAAAAAAAAAAAAAAZAAAAAEAAABAAAAAAAAAAAAAAAAAAAAAAAAAAAAAAAAAAAAAAAAAAAAAAAAAAAAAAAAAAAAAAAAAAAAAAAAAAAAAAAAAAAAAAAAAAAAAAAAAAAAAAAAAAAAAAAAAAAAAFAAAADwAAAAAAAAAAAAAAAAAAAkUAAAAAQAAABQAAAAUAAAAFAAAAAEAAAAAAAAAZAAAAGQAAAAAAAAAZAAAAGQAAAAVAAAAYAAAAAAAAAAAAAAADwAAACADAAAAAAAAAAAAAAEAAACgMgAAVgcAAKr4//8BAAAAf39/AAEAAABkAAAAAAAAABQAAABAHwAAAAAAACYAAAAAAAAAwOD//wAAAAAmAAAAZAAAABYAAABMAAAAAAAAAAAAAAAEAAAAAAAAAAEAAACAgIAKAAAAACgAAAAoAAAAZAAAAGQAAAAAAAAAzMzMAAAAAABQAAAAUAAAAGQAAABkAAAAAAAAABcAAAAUAAAAAAAAAAAAAAD/fwAA/38AAAAAAAAJAAAABAAAAO8CAAAeAAAAaAAAAAAAAAAAAAAAAAAAAAAAAAAAAAAAECcAABAnAAAAAAAAAAAAAAAAAAAAAAAAAAAAAAAAAAAAAAAAAAAAABQAAAAAAAAAwMD/AAAAAABkAAAAMgAAAAAAAABkAAAAAAAAAH9/fwAKAAAAIgAAABgAAAAAAAAAAAAAAAAAAAAAAAAAAAAAAAAAAAAkAAAAJAAAAAAAAAAHAAAAAAAAAAAAAAAAAAAAAAAAAAAAAAAAAAAAf39/ACUAAABYAAAAAAAAAAAAAAAAAAAAAAAAAAAAAAAAAAAAAAAAAAAAAAAAAAAAAAAAAAAAAAA/AAAAAAAAAKCGAQAAAAAAAAAAAAAAAAAMAAAAAQAAAAAAAAAAAAAAAAAAAB8AAABUAAAAAAAABQAAAAEAAAAAAAAAAAAAAAAAAAAAAAAAAAAAAAAAAAAAAAAAAAAAAAJ/f38AAAAAA8zMzADAwP8Af39/AAAAAAAAAAAAAAAAAAAAAAAAAAAAIQAAABgAAAAUAAAAwAMAANgJAABARwAAsCUAABAAAAAmAAAACAAAAAAAAAAAAAAAMAAAABQAAAAAAAAAAAD//wAAAQAAAP//AAABAA=="/>
               </a:ext>
             </a:extLst>
           </p:cNvSpPr>
@@ -4279,7 +4292,7 @@
             <a:spLocks noGrp="1" noChangeArrowheads="1"/>
             <a:extLst>
               <a:ext uri="smNativeData">
-                <pr:smNativeData xmlns:pr="smNativeData" xmlns="smNativeData" val="SMDATA_16_a8OGZxMAAAAlAAAAZAAAAA8BAAAAkAAAAEgAAACQAAAASAAAAAAAAAABAAAAAAAAAAEAAABQAAAAAAAAAAAA4D8AAAAAAADgPwAAAAAAAOA/AAAAAAAA4D8AAAAAAADgPwAAAAAAAOA/AAAAAAAA4D8AAAAAAADgPwAAAAAAAOA/AAAAAAAA4D8CAAAAjAAAAAAAAAAAAAAAu+DjDP///wgAAAAAAAAAAAAAAAAAAAAAAAAAAAAAAAAAAAAAZAAAAAEAAABAAAAAAAAAAAAAAAAAAAAAAAAAAAAAAAAAAAAAAAAAAAAAAAAAAAAAAAAAAAAAAAAAAAAAAAAAAAAAAAAAAAAAAAAAAAAAAAAAAAAAAAAAAAAAAAAAAAAAFAAAADwAAAAAAAAAAAAAAAAAAAkUAAAAAQAAABQAAAAUAAAAFAAAAAEAAAAAAAAAZAAAAGQAAAAAAAAAZAAAAGQAAAAVAAAAYAAAAAAAAAAAAAAADwAAACADAAAAAAAAAAAAAAEAAACgMgAAVgcAAKr4//8BAAAAf39/AAEAAABkAAAAAAAAABQAAABAHwAAAAAAACYAAAAAAAAAwOD//wAAAAAmAAAAZAAAABYAAABMAAAAAAAAAAAAAAAEAAAAAAAAAAEAAACAgIAKAAAAACgAAAAoAAAAZAAAAGQAAAAAAAAAzMzMAAAAAABQAAAAUAAAAGQAAABkAAAAAAAAABcAAAAUAAAAAAAAAAAAAAD/fwAA/38AAAAAAAAJAAAABAAAANEAAAAeAAAAaAAAAAAAAAAAAAAAAAAAAAAAAAAAAAAAECcAABAnAAAAAAAAAAAAAAAAAAAAAAAAAAAAAAAAAAAAAAAAAAAAABQAAAAAAAAAwMD/AAAAAABkAAAAMgAAAAAAAABkAAAAAAAAAH9/fwAKAAAAIgAAABgAAAAAAAAAAAAAAAAAAAAAAAAAAAAAAAAAAAAkAAAAJAAAAAAAAAAHAAAAAAAAAAAAAAAAAAAAAAAAAAAAAAAAAAAAf39/ACUAAABYAAAAAAAAAAAAAAAAAAAAAAAAAAAAAAAAAAAAAAAAAAAAAAAAAAAAAAAAAAAAAAA/AAAAAAAAAKCGAQAAAAAAAAAAAAAAAAAMAAAAAQAAAAAAAAAAAAAAAAAAAB8AAABUAAAAAAAABQAAAAEAAAAAAAAAAAAAAAAAAAAAAAAAAAAAAAAAAAAAAAAAAAAAAAJ/f38AAAAAA8zMzADAwP8Af39/AAAAAAAAAAAAAAAAAAAAAAAAAAAAIQAAABgAAAAUAAAAwAMAALABAABARwAAuAgAABAAAAAmAAAACAAAAAAAAAAAAAAAMAAAABQAAAAAAAAAAAD//wAAAQAAAP//AAABAA=="/>
+                <pr:smNativeData xmlns:pr="smNativeData" xmlns="smNativeData" val="SMDATA_16_jeCHZxMAAAAlAAAAZAAAAA8BAAAAkAAAAEgAAACQAAAASAAAAAAAAAABAAAAAAAAAAEAAABQAAAAAAAAAAAA4D8AAAAAAADgPwAAAAAAAOA/AAAAAAAA4D8AAAAAAADgPwAAAAAAAOA/AAAAAAAA4D8AAAAAAADgPwAAAAAAAOA/AAAAAAAA4D8CAAAAjAAAAAAAAAAAAAAAu+DjDP///wgAAAAAAAAAAAAAAAAAAAAAAAAAAAAAAAAAAAAAZAAAAAEAAABAAAAAAAAAAAAAAAAAAAAAAAAAAAAAAAAAAAAAAAAAAAAAAAAAAAAAAAAAAAAAAAAAAAAAAAAAAAAAAAAAAAAAAAAAAAAAAAAAAAAAAAAAAAAAAAAAAAAAFAAAADwAAAAAAAAAAAAAAAAAAAkUAAAAAQAAABQAAAAUAAAAFAAAAAEAAAAAAAAAZAAAAGQAAAAAAAAAZAAAAGQAAAAVAAAAYAAAAAAAAAAAAAAADwAAACADAAAAAAAAAAAAAAEAAACgMgAAVgcAAKr4//8BAAAAf39/AAEAAABkAAAAAAAAABQAAABAHwAAAAAAACYAAAAAAAAAwOD//wAAAAAmAAAAZAAAABYAAABMAAAAAAAAAAAAAAAEAAAAAAAAAAEAAACAgIAKAAAAACgAAAAoAAAAZAAAAGQAAAAAAAAAzMzMAAAAAABQAAAAUAAAAGQAAABkAAAAAAAAABcAAAAUAAAAAAAAAAAAAAD/fwAA/38AAAAAAAAJAAAABAAAANEAAAAeAAAAaAAAAAAAAAAAAAAAAAAAAAAAAAAAAAAAECcAABAnAAAAAAAAAAAAAAAAAAAAAAAAAAAAAAAAAAAAAAAAAAAAABQAAAAAAAAAwMD/AAAAAABkAAAAMgAAAAAAAABkAAAAAAAAAH9/fwAKAAAAIgAAABgAAAAAAAAAAAAAAAAAAAAAAAAAAAAAAAAAAAAkAAAAJAAAAAAAAAAHAAAAAAAAAAAAAAAAAAAAAAAAAAAAAAAAAAAAf39/ACUAAABYAAAAAAAAAAAAAAAAAAAAAAAAAAAAAAAAAAAAAAAAAAAAAAAAAAAAAAAAAAAAAAA/AAAAAAAAAKCGAQAAAAAAAAAAAAAAAAAMAAAAAQAAAAAAAAAAAAAAAAAAAB8AAABUAAAAAAAABQAAAAEAAAAAAAAAAAAAAAAAAAAAAAAAAAAAAAAAAAAAAAAAAAAAAAJ/f38AAAAAA8zMzADAwP8Af39/AAAAAAAAAAAAAAAAAAAAAAAAAAAAIQAAABgAAAAUAAAAwAMAALABAABARwAAuAgAAAAAAAAmAAAACAAAAAEAAAAAAAAAMAAAABQAAAAAAAAAAAD//wAAAQAAAP//AAABAA=="/>
               </a:ext>
             </a:extLst>
           </p:cNvSpPr>
@@ -4287,14 +4300,19 @@
             <p:ph type="title"/>
           </p:nvPr>
         </p:nvSpPr>
-        <p:spPr/>
-        <p:txBody>
-          <a:bodyPr/>
-          <a:lstStyle/>
-          <a:p>
-            <a:pPr/>
-            <a:r>
-              <a:t>Грубо, доля верных ответов</a:t>
+        <p:spPr>
+          <a:xfrm>
+            <a:off x="609600" y="274320"/>
+            <a:ext cx="10972800" cy="1143000"/>
+          </a:xfrm>
+        </p:spPr>
+        <p:txBody>
+          <a:bodyPr/>
+          <a:lstStyle/>
+          <a:p>
+            <a:pPr/>
+            <a:r>
+              <a:t>Доля верных ответов</a:t>
             </a:r>
           </a:p>
         </p:txBody>
@@ -4306,7 +4324,7 @@
             <a:spLocks noGrp="1" noChangeArrowheads="1"/>
             <a:extLst>
               <a:ext uri="smNativeData">
-                <pr:smNativeData xmlns:pr="smNativeData" xmlns="smNativeData" val="SMDATA_16_a8OGZxMAAAAlAAAAZAAAAA8BAAAAkAAAAEgAAACQAAAASAAAAAAAAAAAAAAAAAAAAAEAAABQAAAAAAAAAAAA4D8AAAAAAADgPwAAAAAAAOA/AAAAAAAA4D8AAAAAAADgPwAAAAAAAOA/AAAAAAAA4D8AAAAAAADgPwAAAAAAAOA/AAAAAAAA4D8CAAAAjAAAAAAAAAAAAAAAu+DjDP///wgAAAAAAAAAAAAAAAAAAAAAAAAAAAAAAAAAAAAAZAAAAAEAAABAAAAAAAAAAAAAAAAAAAAAAAAAAAAAAAAAAAAAAAAAAAAAAAAAAAAAAAAAAAAAAAAAAAAAAAAAAAAAAAAAAAAAAAAAAAAAAAAAAAAAAAAAAAAAAAAAAAAAFAAAADwAAAAAAAAAAAAAAAAAAAkUAAAAAQAAABQAAAAUAAAAFAAAAAEAAAAAAAAAZAAAAGQAAAAAAAAAZAAAAGQAAAAVAAAAYAAAAAAAAAAAAAAADwAAACADAAAAAAAAAAAAAAEAAACgMgAAVgcAAKr4//8BAAAAf39/AAEAAABkAAAAAAAAABQAAABAHwAAAAAAACYAAAAAAAAAwOD//wAAAAAmAAAAZAAAABYAAABMAAAAAAAAAAAAAAAEAAAAAAAAAAEAAACAgIAKAAAAACgAAAAoAAAAZAAAAGQAAAAAAAAAzMzMAAAAAABQAAAAUAAAAGQAAABkAAAAAAAAABcAAAAUAAAAAAAAAAAAAAD/fwAA/38AAAAAAAAJAAAABAAAAD0iLTUeAAAAaAAAAAAAAAAAAAAAAAAAAAAAAAAAAAAAECcAABAnAAAAAAAAAAAAAAAAAAAAAAAAAAAAAAAAAAAAAAAAAAAAABQAAAAAAAAAwMD/AAAAAABkAAAAMgAAAAAAAABkAAAAAAAAAH9/fwAKAAAAIgAAABgAAAAAAAAAAAAAAAAAAAAAAAAAAAAAAAAAAAAkAAAAJAAAAAAAAAAHAAAAAAAAAAAAAAAAAAAAAAAAAAAAAAAAAAAAf39/ACUAAABYAAAAAAAAAAAAAAAAAAAAAAAAAAAAAAAAAAAAAAAAAAAAAAAAAAAAAAAAAAAAAAA/AAAAAAAAAKCGAQAAAAAAAAAAAAAAAAAMAAAAAQAAAAAAAAAAAAAAAAAAAB8AAABUAAAAAAAABQAAAAEAAAAAAAAAAAAAAAAAAAAAAAAAAAAAAAAAAAAAAAAAAAAAAAJ/f38AAAAAA8zMzADAwP8Af39/AAAAAAAAAAAAAAAAAAAAAAAAAAAAIQAAABgAAAAUAAAAwAMAANgJAABARwAAsCUAABAAAAAmAAAACAAAAAAAAAAAAAAAMAAAABQAAAAAAAAAAAD//wAAAQAAAP//AAABAA=="/>
+                <pr:smNativeData xmlns:pr="smNativeData" xmlns="smNativeData" val="SMDATA_16_jeCHZxMAAAAlAAAAZAAAAA8BAAAAkAAAAEgAAACQAAAASAAAAAAAAAAAAAAAAAAAAAEAAABQAAAAAAAAAAAA4D8AAAAAAADgPwAAAAAAAOA/AAAAAAAA4D8AAAAAAADgPwAAAAAAAOA/AAAAAAAA4D8AAAAAAADgPwAAAAAAAOA/AAAAAAAA4D8CAAAAjAAAAAAAAAAAAAAAu+DjDP///wgAAAAAAAAAAAAAAAAAAAAAAAAAAAAAAAAAAAAAZAAAAAEAAABAAAAAAAAAAAAAAAAAAAAAAAAAAAAAAAAAAAAAAAAAAAAAAAAAAAAAAAAAAAAAAAAAAAAAAAAAAAAAAAAAAAAAAAAAAAAAAAAAAAAAAAAAAAAAAAAAAAAAFAAAADwAAAAAAAAAAAAAAAAAAAkUAAAAAQAAABQAAAAUAAAAFAAAAAEAAAAAAAAAZAAAAGQAAAAAAAAAZAAAAGQAAAAVAAAAYAAAAAAAAAAAAAAADwAAACADAAAAAAAAAAAAAAEAAACgMgAAVgcAAKr4//8BAAAAf39/AAEAAABkAAAAAAAAABQAAABAHwAAAAAAACYAAAAAAAAAwOD//wAAAAAmAAAAZAAAABYAAABMAAAAAAAAAAAAAAAEAAAAAAAAAAEAAACAgIAKAAAAACgAAAAoAAAAZAAAAGQAAAAAAAAAzMzMAAAAAABQAAAAUAAAAGQAAABkAAAAAAAAABcAAAAUAAAAAAAAAAAAAAD/fwAA/38AAAAAAAAJAAAABAAAAD0iLTUeAAAAaAAAAAAAAAAAAAAAAAAAAAAAAAAAAAAAECcAABAnAAAAAAAAAAAAAAAAAAAAAAAAAAAAAAAAAAAAAAAAAAAAABQAAAAAAAAAwMD/AAAAAABkAAAAMgAAAAAAAABkAAAAAAAAAH9/fwAKAAAAIgAAABgAAAAAAAAAAAAAAAAAAAAAAAAAAAAAAAAAAAAkAAAAJAAAAAAAAAAHAAAAAAAAAAAAAAAAAAAAAAAAAAAAAAAAAAAAf39/ACUAAABYAAAAAAAAAAAAAAAAAAAAAAAAAAAAAAAAAAAAAAAAAAAAAAAAAAAAAAAAAAAAAAA/AAAAAAAAAKCGAQAAAAAAAAAAAAAAAAAMAAAAAQAAAAAAAAAAAAAAAAAAAB8AAABUAAAAAAAABQAAAAEAAAAAAAAAAAAAAAAAAAAAAAAAAAAAAAAAAAAAAAAAAAAAAAJ/f38AAAAAA8zMzADAwP8Af39/AAAAAAAAAAAAAAAAAAAAAAAAAAAAIQAAABgAAAAUAAAAwAMAANgJAABARwAAsCUAAAAAAAAmAAAACAAAAAEAAAAAAAAAMAAAABQAAAAAAAAAAAD//wAAAQAAAP//AAABAA=="/>
               </a:ext>
             </a:extLst>
           </p:cNvSpPr>
@@ -4314,7 +4332,12 @@
             <p:ph type="body" idx="1"/>
           </p:nvPr>
         </p:nvSpPr>
-        <p:spPr/>
+        <p:spPr>
+          <a:xfrm>
+            <a:off x="609600" y="1600200"/>
+            <a:ext cx="10972800" cy="4526280"/>
+          </a:xfrm>
+        </p:spPr>
         <p:txBody>
           <a:bodyPr/>
           <a:lstStyle/>
@@ -4335,7 +4358,7 @@
             </a:r>
             <a:br/>
             <a:r>
-              <a:t>1 явно неподходящая (Мостотрест).</a:t>
+              <a:t>1 явно неподходящая (Мостотрест);</a:t>
             </a:r>
           </a:p>
           <a:p>
@@ -4343,12 +4366,21 @@
               <a:buNone/>
             </a:pPr>
             <a:r>
-              <a:t>Получается грубо accuracy ≈ 0,94.</a:t>
+              <a:t>1 под вопросом (непонятна принадлежность).</a:t>
             </a:r>
           </a:p>
           <a:p>
             <a:pPr marL="0" indent="0">
               <a:buNone/>
+            </a:pPr>
+            <a:r>
+              <a:t>Получается грубо accuracy ≈ в пределах [0,89; 0,94].</a:t>
+            </a:r>
+          </a:p>
+          <a:p>
+            <a:pPr marL="0" indent="0">
+              <a:buNone/>
+              <a:defRPr sz="2400" cap="none"/>
             </a:pPr>
             <a:r>
               <a:t>При этом из результатов не пропала ни одна компания, в которой есть высокая уверенность принадлежности к категории, исчезли некоторые компании “под вопросом” (мало информации, чтобы понять их принадлежность).</a:t>
@@ -4395,7 +4427,7 @@
             <a:spLocks noGrp="1" noChangeArrowheads="1"/>
             <a:extLst>
               <a:ext uri="smNativeData">
-                <pr:smNativeData xmlns:pr="smNativeData" xmlns="smNativeData" val="SMDATA_16_a8OGZxMAAAAlAAAAZAAAAA8BAAAAkAAAAEgAAACQAAAASAAAAAAAAAABAAAAAAAAAAEAAABQAAAAAAAAAAAA4D8AAAAAAADgPwAAAAAAAOA/AAAAAAAA4D8AAAAAAADgPwAAAAAAAOA/AAAAAAAA4D8AAAAAAADgPwAAAAAAAOA/AAAAAAAA4D8CAAAAjAAAAAAAAAAAAAAAu+DjDP///wgAAAAAAAAAAAAAAAAAAAAAAAAAAAAAAAAAAAAAZAAAAAEAAABAAAAAAAAAAAAAAAAAAAAAAAAAAAAAAAAAAAAAAAAAAAAAAAAAAAAAAAAAAAAAAAAAAAAAAAAAAAAAAAAAAAAAAAAAAAAAAAAAAAAAAAAAAAAAAAAAAAAAFAAAADwAAAAAAAAAAAAAAAAAAAkUAAAAAQAAABQAAAAUAAAAFAAAAAEAAAAAAAAAZAAAAGQAAAAAAAAAZAAAAGQAAAAVAAAAYAAAAAAAAAAAAAAADwAAACADAAAAAAAAAAAAAAEAAACgMgAAVgcAAKr4//8BAAAAf39/AAEAAABkAAAAAAAAABQAAABAHwAAAAAAACYAAAAAAAAAwOD//wAAAAAmAAAAZAAAABYAAABMAAAAAAAAAAAAAAAEAAAAAAAAAAEAAACAgIAKAAAAACgAAAAoAAAAZAAAAGQAAAAAAAAAzMzMAAAAAABQAAAAUAAAAGQAAABkAAAAAAAAABcAAAAUAAAAAAAAAAAAAAD/fwAA/38AAAAAAAAJAAAABAAAAAIAAAAeAAAAaAAAAAAAAAAAAAAAAAAAAAAAAAAAAAAAECcAABAnAAAAAAAAAAAAAAAAAAAAAAAAAAAAAAAAAAAAAAAAAAAAABQAAAAAAAAAwMD/AAAAAABkAAAAMgAAAAAAAABkAAAAAAAAAH9/fwAKAAAAIgAAABgAAAAAAAAAAAAAAAAAAAAAAAAAAAAAAAAAAAAkAAAAJAAAAAAAAAAHAAAAAAAAAAAAAAAAAAAAAAAAAAAAAAAAAAAAf39/ACUAAABYAAAAAAAAAAAAAAAAAAAAAAAAAAAAAAAAAAAAAAAAAAAAAAAAAAAAAAAAAAAAAAA/AAAAAAAAAKCGAQAAAAAAAAAAAAAAAAAMAAAAAQAAAAAAAAAAAAAAAAAAAB8AAABUAAAAAAAABQAAAAEAAAAAAAAAAAAAAAAAAAAAAAAAAAAAAAAAAAAAAAAAAAAAAAJ/f38AAAAAA8zMzADAwP8Af39/AAAAAAAAAAAAAAAAAAAAAAAAAAAAIQAAABgAAAAUAAAAwAMAALABAABARwAAuAgAABAAAAAmAAAACAAAAAAAAAAAAAAAMAAAABQAAAAAAAAAAAD//wAAAQAAAP//AAABAA=="/>
+                <pr:smNativeData xmlns:pr="smNativeData" xmlns="smNativeData" val="SMDATA_16_jeCHZxMAAAAlAAAAZAAAAA8BAAAAkAAAAEgAAACQAAAASAAAAAAAAAABAAAAAAAAAAEAAABQAAAAAAAAAAAA4D8AAAAAAADgPwAAAAAAAOA/AAAAAAAA4D8AAAAAAADgPwAAAAAAAOA/AAAAAAAA4D8AAAAAAADgPwAAAAAAAOA/AAAAAAAA4D8CAAAAjAAAAAAAAAAAAAAAu+DjDP///wgAAAAAAAAAAAAAAAAAAAAAAAAAAAAAAAAAAAAAZAAAAAEAAABAAAAAAAAAAAAAAAAAAAAAAAAAAAAAAAAAAAAAAAAAAAAAAAAAAAAAAAAAAAAAAAAAAAAAAAAAAAAAAAAAAAAAAAAAAAAAAAAAAAAAAAAAAAAAAAAAAAAAFAAAADwAAAAAAAAAAAAAAAAAAAkUAAAAAQAAABQAAAAUAAAAFAAAAAEAAAAAAAAAZAAAAGQAAAAAAAAAZAAAAGQAAAAVAAAAYAAAAAAAAAAAAAAADwAAACADAAAAAAAAAAAAAAEAAACgMgAAVgcAAKr4//8BAAAAf39/AAEAAABkAAAAAAAAABQAAABAHwAAAAAAACYAAAAAAAAAwOD//wAAAAAmAAAAZAAAABYAAABMAAAAAAAAAAAAAAAEAAAAAAAAAAEAAACAgIAKAAAAACgAAAAoAAAAZAAAAGQAAAAAAAAAzMzMAAAAAABQAAAAUAAAAGQAAABkAAAAAAAAABcAAAAUAAAAAAAAAAAAAAD/fwAA/38AAAAAAAAJAAAABAAAAAIAAAAeAAAAaAAAAAAAAAAAAAAAAAAAAAAAAAAAAAAAECcAABAnAAAAAAAAAAAAAAAAAAAAAAAAAAAAAAAAAAAAAAAAAAAAABQAAAAAAAAAwMD/AAAAAABkAAAAMgAAAAAAAABkAAAAAAAAAH9/fwAKAAAAIgAAABgAAAAAAAAAAAAAAAAAAAAAAAAAAAAAAAAAAAAkAAAAJAAAAAAAAAAHAAAAAAAAAAAAAAAAAAAAAAAAAAAAAAAAAAAAf39/ACUAAABYAAAAAAAAAAAAAAAAAAAAAAAAAAAAAAAAAAAAAAAAAAAAAAAAAAAAAAAAAAAAAAA/AAAAAAAAAKCGAQAAAAAAAAAAAAAAAAAMAAAAAQAAAAAAAAAAAAAAAAAAAB8AAABUAAAAAAAABQAAAAEAAAAAAAAAAAAAAAAAAAAAAAAAAAAAAAAAAAAAAAAAAAAAAAJ/f38AAAAAA8zMzADAwP8Af39/AAAAAAAAAAAAAAAAAAAAAAAAAAAAIQAAABgAAAAUAAAAwAMAALABAABARwAAuAgAAAAAAAAmAAAACAAAAAEAAAAAAAAAMAAAABQAAAAAAAAAAAD//wAAAQAAAP//AAABAA=="/>
               </a:ext>
             </a:extLst>
           </p:cNvSpPr>
@@ -4403,14 +4435,19 @@
             <p:ph type="title"/>
           </p:nvPr>
         </p:nvSpPr>
-        <p:spPr/>
-        <p:txBody>
-          <a:bodyPr/>
-          <a:lstStyle/>
-          <a:p>
-            <a:pPr/>
-            <a:r>
-              <a:t>Результаты</a:t>
+        <p:spPr>
+          <a:xfrm>
+            <a:off x="609600" y="274320"/>
+            <a:ext cx="10972800" cy="1143000"/>
+          </a:xfrm>
+        </p:spPr>
+        <p:txBody>
+          <a:bodyPr/>
+          <a:lstStyle/>
+          <a:p>
+            <a:pPr/>
+            <a:r>
+              <a:t>Сравнение и выводы</a:t>
             </a:r>
           </a:p>
         </p:txBody>
@@ -4422,7 +4459,7 @@
             <a:spLocks noGrp="1" noChangeArrowheads="1"/>
             <a:extLst>
               <a:ext uri="smNativeData">
-                <pr:smNativeData xmlns:pr="smNativeData" xmlns="smNativeData" val="SMDATA_16_a8OGZxMAAAAlAAAAZAAAAA8BAAAAkAAAAEgAAACQAAAASAAAAAAAAAAAAAAAAAAAAAEAAABQAAAAAAAAAAAA4D8AAAAAAADgPwAAAAAAAOA/AAAAAAAA4D8AAAAAAADgPwAAAAAAAOA/AAAAAAAA4D8AAAAAAADgPwAAAAAAAOA/AAAAAAAA4D8CAAAAjAAAAAAAAAAAAAAAu+DjDP///wgAAAAAAAAAAAAAAAAAAAAAAAAAAAAAAAAAAAAAZAAAAAEAAABAAAAAAAAAAAAAAAAAAAAAAAAAAAAAAAAAAAAAAAAAAAAAAAAAAAAAAAAAAAAAAAAAAAAAAAAAAAAAAAAAAAAAAAAAAAAAAAAAAAAAAAAAAAAAAAAAAAAAFAAAADwAAAAAAAAAAAAAAAAAAAkUAAAAAQAAABQAAAAUAAAAFAAAAAEAAAAAAAAAZAAAAGQAAAAAAAAAZAAAAGQAAAAVAAAAYAAAAAAAAAAAAAAADwAAACADAAAAAAAAAAAAAAEAAACgMgAAVgcAAKr4//8BAAAAf39/AAEAAABkAAAAAAAAABQAAABAHwAAAAAAACYAAAAAAAAAwOD//wAAAAAmAAAAZAAAABYAAABMAAAAAAAAAAAAAAAEAAAAAAAAAAEAAACAgIAKAAAAACgAAAAoAAAAZAAAAGQAAAAAAAAAzMzMAAAAAABQAAAAUAAAAGQAAABkAAAAAAAAABcAAAAUAAAAAAAAAAAAAAD/fwAA/38AAAAAAAAJAAAABAAAAGFzZWweAAAAaAAAAAAAAAAAAAAAAAAAAAAAAAAAAAAAECcAABAnAAAAAAAAAAAAAAAAAAAAAAAAAAAAAAAAAAAAAAAAAAAAABQAAAAAAAAAwMD/AAAAAABkAAAAMgAAAAAAAABkAAAAAAAAAH9/fwAKAAAAIgAAABgAAAAAAAAAAAAAAAAAAAAAAAAAAAAAAAAAAAAkAAAAJAAAAAAAAAAHAAAAAAAAAAAAAAAAAAAAAAAAAAAAAAAAAAAAf39/ACUAAABYAAAAAAAAAAAAAAAAAAAAAAAAAAAAAAAAAAAAAAAAAAAAAAAAAAAAAAAAAAAAAAA/AAAAAAAAAKCGAQAAAAAAAAAAAAAAAAAMAAAAAQAAAAAAAAAAAAAAAAAAAB8AAABUAAAAAAAABQAAAAEAAAAAAAAAAAAAAAAAAAAAAAAAAAAAAAAAAAAAAAAAAAAAAAJ/f38AAAAAA8zMzADAwP8Af39/AAAAAAAAAAAAAAAAAAAAAAAAAAAAIQAAABgAAAAUAAAAwAMAANgJAABARwAAsCUAABAAAAAmAAAACAAAAAAAAAAAAAAAMAAAABQAAAAAAAAAAAD//wAAAQAAAP//AAABAA=="/>
+                <pr:smNativeData xmlns:pr="smNativeData" xmlns="smNativeData" val="SMDATA_16_jeCHZxMAAAAlAAAAZAAAAA8BAAAAkAAAAEgAAACQAAAASAAAAAAAAAAAAAAAAAAAAAEAAABQAAAAAAAAAAAA4D8AAAAAAADgPwAAAAAAAOA/AAAAAAAA4D8AAAAAAADgPwAAAAAAAOA/AAAAAAAA4D8AAAAAAADgPwAAAAAAAOA/AAAAAAAA4D8CAAAAjAAAAAAAAAAAAAAAu+DjDP///wgAAAAAAAAAAAAAAAAAAAAAAAAAAAAAAAAAAAAAZAAAAAEAAABAAAAAAAAAAAAAAAAAAAAAAAAAAAAAAAAAAAAAAAAAAAAAAAAAAAAAAAAAAAAAAAAAAAAAAAAAAAAAAAAAAAAAAAAAAAAAAAAAAAAAAAAAAAAAAAAAAAAAFAAAADwAAAAAAAAAAAAAAAAAAAkUAAAAAQAAABQAAAAUAAAAFAAAAAEAAAAAAAAAZAAAAGQAAAAAAAAAZAAAAGQAAAAVAAAAYAAAAAAAAAAAAAAADwAAACADAAAAAAAAAAAAAAEAAACgMgAAVgcAAKr4//8BAAAAf39/AAEAAABkAAAAAAAAABQAAABAHwAAAAAAACYAAAAAAAAAwOD//wAAAAAmAAAAZAAAABYAAABMAAAAAAAAAAAAAAAEAAAAAAAAAAEAAACAgIAKAAAAACgAAAAoAAAAZAAAAGQAAAAAAAAAzMzMAAAAAABQAAAAUAAAAGQAAABkAAAAAAAAABcAAAAUAAAAAAAAAAAAAAD/fwAA/38AAAAAAAAJAAAABAAAAGFzZWweAAAAaAAAAAAAAAAAAAAAAAAAAAAAAAAAAAAAECcAABAnAAAAAAAAAAAAAAAAAAAAAAAAAAAAAAAAAAAAAAAAAAAAABQAAAAAAAAAwMD/AAAAAABkAAAAMgAAAAAAAABkAAAAAAAAAH9/fwAKAAAAIgAAABgAAAAAAAAAAAAAAAAAAAAAAAAAAAAAAAAAAAAkAAAAJAAAAAAAAAAHAAAAAAAAAAAAAAAAAAAAAAAAAAAAAAAAAAAAf39/ACUAAABYAAAAAAAAAAAAAAAAAAAAAAAAAAAAAAAAAAAAAAAAAAAAAAAAAAAAAAAAAAAAAAA/AAAAAAAAAKCGAQAAAAAAAAAAAAAAAAAMAAAAAQAAAAAAAAAAAAAAAAAAAB8AAABUAAAAAAAABQAAAAEAAAAAAAAAAAAAAAAAAAAAAAAAAAAAAAAAAAAAAAAAAAAAAAJ/f38AAAAAA8zMzADAwP8Af39/AAAAAAAAAAAAAAAAAAAAAAAAAAAAIQAAABgAAAAUAAAAwAMAANgJAABARwAAsCUAAAAAAAAmAAAACAAAAAEAAAAAAAAAMAAAABQAAAAAAAAAAAD//wAAAQAAAP//AAABAA=="/>
               </a:ext>
             </a:extLst>
           </p:cNvSpPr>
@@ -4430,7 +4467,12 @@
             <p:ph type="body" idx="1"/>
           </p:nvPr>
         </p:nvSpPr>
-        <p:spPr/>
+        <p:spPr>
+          <a:xfrm>
+            <a:off x="609600" y="1600200"/>
+            <a:ext cx="10972800" cy="4526280"/>
+          </a:xfrm>
+        </p:spPr>
         <p:txBody>
           <a:bodyPr/>
           <a:lstStyle/>
@@ -4452,7 +4494,7 @@
               <a:buNone/>
             </a:pPr>
             <a:r>
-              <a:t>Практическое использование модели в течение нек. времени показало, что 100 % качество не достигается (и пользователь может отметить единицы объектов), но модель полезна. Можно сравнить с моделями распознавания пальцев или лиц: работает не 100 %, но в работе помогает.</a:t>
+              <a:t>Практическое использование модели в течение нек. времени показало, что 100 % качество не достигается (и пользователь может отметить единицы объектов), но модель полезна. Можно сравнить с моделями распознавания пальцев или лиц: работает далеко не 100 %, но в работе помогает.</a:t>
             </a:r>
           </a:p>
         </p:txBody>
@@ -4496,7 +4538,7 @@
             <a:spLocks noGrp="1" noChangeArrowheads="1"/>
             <a:extLst>
               <a:ext uri="smNativeData">
-                <pr:smNativeData xmlns:pr="smNativeData" xmlns="smNativeData" val="SMDATA_16_a8OGZxMAAAAlAAAAZAAAAA8BAAAAkAAAAEgAAACQAAAASAAAAAAAAAABAAAAAAAAAAEAAABQAAAAAAAAAAAA4D8AAAAAAADgPwAAAAAAAOA/AAAAAAAA4D8AAAAAAADgPwAAAAAAAOA/AAAAAAAA4D8AAAAAAADgPwAAAAAAAOA/AAAAAAAA4D8CAAAAjAAAAAAAAAAAAAAAu+DjDP///wgAAAAAAAAAAAAAAAAAAAAAAAAAAAAAAAAAAAAAZAAAAAEAAABAAAAAAAAAAAAAAAAAAAAAAAAAAAAAAAAAAAAAAAAAAAAAAAAAAAAAAAAAAAAAAAAAAAAAAAAAAAAAAAAAAAAAAAAAAAAAAAAAAAAAAAAAAAAAAAAAAAAAFAAAADwAAAAAAAAAAAAAAAAAAAkUAAAAAQAAABQAAAAUAAAAFAAAAAEAAAAAAAAAZAAAAGQAAAAAAAAAZAAAAGQAAAAVAAAAYAAAAAAAAAAAAAAADwAAACADAAAAAAAAAAAAAAEAAACgMgAAVgcAAKr4//8BAAAAf39/AAEAAABkAAAAAAAAABQAAABAHwAAAAAAACYAAAAAAAAAwOD//wAAAAAmAAAAZAAAABYAAABMAAAAAAAAAAAAAAAEAAAAAAAAAAEAAACAgIAKAAAAACgAAAAoAAAAZAAAAGQAAAAAAAAAzMzMAAAAAABQAAAAUAAAAGQAAABkAAAAAAAAABcAAAAUAAAAAAAAAAAAAAD/fwAA/38AAAAAAAAJAAAABAAAAAAAAAAeAAAAaAAAAAAAAAAAAAAAAAAAAAAAAAAAAAAAECcAABAnAAAAAAAAAAAAAAAAAAAAAAAAAAAAAAAAAAAAAAAAAAAAABQAAAAAAAAAwMD/AAAAAABkAAAAMgAAAAAAAABkAAAAAAAAAH9/fwAKAAAAIgAAABgAAAAAAAAAAAAAAAAAAAAAAAAAAAAAAAAAAAAkAAAAJAAAAAAAAAAHAAAAAAAAAAAAAAAAAAAAAAAAAAAAAAAAAAAAf39/ACUAAABYAAAAAAAAAAAAAAAAAAAAAAAAAAAAAAAAAAAAAAAAAAAAAAAAAAAAAAAAAAAAAAA/AAAAAAAAAKCGAQAAAAAAAAAAAAAAAAAMAAAAAQAAAAAAAAAAAAAAAAAAAB8AAABUAAAAAAAABQAAAAEAAAAAAAAAAAAAAAAAAAAAAAAAAAAAAAAAAAAAAAAAAAAAAAJ/f38AAAAAA8zMzADAwP8Af39/AAAAAAAAAAAAAAAAAAAAAAAAAAAAIQAAABgAAAAUAAAAwAMAALABAABARwAAuAgAABAAAAAmAAAACAAAAAAAAAAAAAAAMAAAABQAAAAAAAAAAAD//wAAAQAAAP//AAABAA=="/>
+                <pr:smNativeData xmlns:pr="smNativeData" xmlns="smNativeData" val="SMDATA_16_jeCHZxMAAAAlAAAAZAAAAA8BAAAAkAAAAEgAAACQAAAASAAAAAAAAAABAAAAAAAAAAEAAABQAAAAAAAAAAAA4D8AAAAAAADgPwAAAAAAAOA/AAAAAAAA4D8AAAAAAADgPwAAAAAAAOA/AAAAAAAA4D8AAAAAAADgPwAAAAAAAOA/AAAAAAAA4D8CAAAAjAAAAAAAAAAAAAAAu+DjDP///wgAAAAAAAAAAAAAAAAAAAAAAAAAAAAAAAAAAAAAZAAAAAEAAABAAAAAAAAAAAAAAAAAAAAAAAAAAAAAAAAAAAAAAAAAAAAAAAAAAAAAAAAAAAAAAAAAAAAAAAAAAAAAAAAAAAAAAAAAAAAAAAAAAAAAAAAAAAAAAAAAAAAAFAAAADwAAAAAAAAAAAAAAAAAAAkUAAAAAQAAABQAAAAUAAAAFAAAAAEAAAAAAAAAZAAAAGQAAAAAAAAAZAAAAGQAAAAVAAAAYAAAAAAAAAAAAAAADwAAACADAAAAAAAAAAAAAAEAAACgMgAAVgcAAKr4//8BAAAAf39/AAEAAABkAAAAAAAAABQAAABAHwAAAAAAACYAAAAAAAAAwOD//wAAAAAmAAAAZAAAABYAAABMAAAAAAAAAAAAAAAEAAAAAAAAAAEAAACAgIAKAAAAACgAAAAoAAAAZAAAAGQAAAAAAAAAzMzMAAAAAABQAAAAUAAAAGQAAABkAAAAAAAAABcAAAAUAAAAAAAAAAAAAAD/fwAA/38AAAAAAAAJAAAABAAAAAAAAAAeAAAAaAAAAAAAAAAAAAAAAAAAAAAAAAAAAAAAECcAABAnAAAAAAAAAAAAAAAAAAAAAAAAAAAAAAAAAAAAAAAAAAAAABQAAAAAAAAAwMD/AAAAAABkAAAAMgAAAAAAAABkAAAAAAAAAH9/fwAKAAAAIgAAABgAAAAAAAAAAAAAAAAAAAAAAAAAAAAAAAAAAAAkAAAAJAAAAAAAAAAHAAAAAAAAAAAAAAAAAAAAAAAAAAAAAAAAAAAAf39/ACUAAABYAAAAAAAAAAAAAAAAAAAAAAAAAAAAAAAAAAAAAAAAAAAAAAAAAAAAAAAAAAAAAAA/AAAAAAAAAKCGAQAAAAAAAAAAAAAAAAAMAAAAAQAAAAAAAAAAAAAAAAAAAB8AAABUAAAAAAAABQAAAAEAAAAAAAAAAAAAAAAAAAAAAAAAAAAAAAAAAAAAAAAAAAAAAAJ/f38AAAAAA8zMzADAwP8Af39/AAAAAAAAAAAAAAAAAAAAAAAAAAAAIQAAABgAAAAUAAAAwAMAALABAABARwAAuAgAABAAAAAmAAAACAAAAAAAAAAAAAAAMAAAABQAAAAAAAAAAAD//wAAAQAAAP//AAABAA=="/>
               </a:ext>
             </a:extLst>
           </p:cNvSpPr>
@@ -4525,7 +4567,7 @@
             <a:spLocks noGrp="1" noChangeArrowheads="1"/>
             <a:extLst>
               <a:ext uri="smNativeData">
-                <pr:smNativeData xmlns:pr="smNativeData" xmlns="smNativeData" val="SMDATA_16_a8OGZxMAAAAlAAAAZAAAAA8BAAAAkAAAAEgAAACQAAAASAAAAAAAAAAAAAAAAAAAAAEAAABQAAAAAAAAAAAA4D8AAAAAAADgPwAAAAAAAOA/AAAAAAAA4D8AAAAAAADgPwAAAAAAAOA/AAAAAAAA4D8AAAAAAADgPwAAAAAAAOA/AAAAAAAA4D8CAAAAjAAAAAAAAAAAAAAAu+DjDP///wgAAAAAAAAAAAAAAAAAAAAAAAAAAAAAAAAAAAAAZAAAAAEAAABAAAAAAAAAAAAAAAAAAAAAAAAAAAAAAAAAAAAAAAAAAAAAAAAAAAAAAAAAAAAAAAAAAAAAAAAAAAAAAAAAAAAAAAAAAAAAAAAAAAAAAAAAAAAAAAAAAAAAFAAAADwAAAAAAAAAAAAAAAAAAAkUAAAAAQAAABQAAAAUAAAAFAAAAAEAAAAAAAAAZAAAAGQAAAAAAAAAZAAAAGQAAAAVAAAAYAAAAAAAAAAAAAAADwAAACADAAAAAAAAAAAAAAEAAACgMgAAVgcAAKr4//8BAAAAf39/AAEAAABkAAAAAAAAABQAAABAHwAAAAAAACYAAAAAAAAAwOD//wAAAAAmAAAAZAAAABYAAABMAAAAAAAAAAAAAAAEAAAAAAAAAAEAAACAgIAKAAAAACgAAAAoAAAAZAAAAGQAAAAAAAAAzMzMAAAAAABQAAAAUAAAAGQAAABkAAAAAAAAABcAAAAUAAAAAAAAAAAAAAD/fwAA/38AAAAAAAAJAAAABAAAAAAAAAAeAAAAaAAAAAAAAAAAAAAAAAAAAAAAAAAAAAAAECcAABAnAAAAAAAAAAAAAAAAAAAAAAAAAAAAAAAAAAAAAAAAAAAAABQAAAAAAAAAwMD/AAAAAABkAAAAMgAAAAAAAABkAAAAAAAAAH9/fwAKAAAAIgAAABgAAAAAAAAAAAAAAAAAAAAAAAAAAAAAAAAAAAAkAAAAJAAAAAAAAAAHAAAAAAAAAAAAAAAAAAAAAAAAAAAAAAAAAAAAf39/ACUAAABYAAAAAAAAAAAAAAAAAAAAAAAAAAAAAAAAAAAAAAAAAAAAAAAAAAAAAAAAAAAAAAA/AAAAAAAAAKCGAQAAAAAAAAAAAAAAAAAMAAAAAQAAAAAAAAAAAAAAAAAAAB8AAABUAAAAAAAABQAAAAEAAAAAAAAAAAAAAAAAAAAAAAAAAAAAAAAAAAAAAAAAAAAAAAJ/f38AAAAAA8zMzADAwP8Af39/AAAAAAAAAAAAAAAAAAAAAAAAAAAAIQAAABgAAAAUAAAAwAMAANgJAABARwAAsCUAABAAAAAmAAAACAAAAAAAAAAAAAAAMAAAABQAAAAAAAAAAAD//wAAAQAAAP//AAABAA=="/>
+                <pr:smNativeData xmlns:pr="smNativeData" xmlns="smNativeData" val="SMDATA_16_jeCHZxMAAAAlAAAAZAAAAA8BAAAAkAAAAEgAAACQAAAASAAAAAAAAAAAAAAAAAAAAAEAAABQAAAAAAAAAAAA4D8AAAAAAADgPwAAAAAAAOA/AAAAAAAA4D8AAAAAAADgPwAAAAAAAOA/AAAAAAAA4D8AAAAAAADgPwAAAAAAAOA/AAAAAAAA4D8CAAAAjAAAAAAAAAAAAAAAu+DjDP///wgAAAAAAAAAAAAAAAAAAAAAAAAAAAAAAAAAAAAAZAAAAAEAAABAAAAAAAAAAAAAAAAAAAAAAAAAAAAAAAAAAAAAAAAAAAAAAAAAAAAAAAAAAAAAAAAAAAAAAAAAAAAAAAAAAAAAAAAAAAAAAAAAAAAAAAAAAAAAAAAAAAAAFAAAADwAAAAAAAAAAAAAAAAAAAkUAAAAAQAAABQAAAAUAAAAFAAAAAEAAAAAAAAAZAAAAGQAAAAAAAAAZAAAAGQAAAAVAAAAYAAAAAAAAAAAAAAADwAAACADAAAAAAAAAAAAAAEAAACgMgAAVgcAAKr4//8BAAAAf39/AAEAAABkAAAAAAAAABQAAABAHwAAAAAAACYAAAAAAAAAwOD//wAAAAAmAAAAZAAAABYAAABMAAAAAAAAAAAAAAAEAAAAAAAAAAEAAACAgIAKAAAAACgAAAAoAAAAZAAAAGQAAAAAAAAAzMzMAAAAAABQAAAAUAAAAGQAAABkAAAAAAAAABcAAAAUAAAAAAAAAAAAAAD/fwAA/38AAAAAAAAJAAAABAAAAAAAAAAeAAAAaAAAAAAAAAAAAAAAAAAAAAAAAAAAAAAAECcAABAnAAAAAAAAAAAAAAAAAAAAAAAAAAAAAAAAAAAAAAAAAAAAABQAAAAAAAAAwMD/AAAAAABkAAAAMgAAAAAAAABkAAAAAAAAAH9/fwAKAAAAIgAAABgAAAAAAAAAAAAAAAAAAAAAAAAAAAAAAAAAAAAkAAAAJAAAAAAAAAAHAAAAAAAAAAAAAAAAAAAAAAAAAAAAAAAAAAAAf39/ACUAAABYAAAAAAAAAAAAAAAAAAAAAAAAAAAAAAAAAAAAAAAAAAAAAAAAAAAAAAAAAAAAAAA/AAAAAAAAAKCGAQAAAAAAAAAAAAAAAAAMAAAAAQAAAAAAAAAAAAAAAAAAAB8AAABUAAAAAAAABQAAAAEAAAAAAAAAAAAAAAAAAAAAAAAAAAAAAAAAAAAAAAAAAAAAAAJ/f38AAAAAA8zMzADAwP8Af39/AAAAAAAAAAAAAAAAAAAAAAAAAAAAIQAAABgAAAAUAAAAwAMAANgJAABARwAAsCUAABAAAAAmAAAACAAAAAAAAAAAAAAAMAAAABQAAAAAAAAAAAD//wAAAQAAAP//AAABAA=="/>
               </a:ext>
             </a:extLst>
           </p:cNvSpPr>
@@ -5462,6 +5504,47 @@
       </a:clrScheme>
       <a:clrMap bg1="lt1" tx1="dk1" bg2="lt2" tx2="dk2" accent1="accent1" accent2="accent2" accent3="accent3" accent4="accent4" accent5="accent5" accent6="accent6" hlink="hlink" folHlink="folHlink"/>
     </a:extraClrScheme>
+    <a:extraClrScheme>
+      <a:clrScheme name="Presentation 16">
+        <a:dk1>
+          <a:srgbClr val="000000"/>
+        </a:dk1>
+        <a:lt1>
+          <a:srgbClr val="FFFFFF"/>
+        </a:lt1>
+        <a:dk2>
+          <a:srgbClr val="000000"/>
+        </a:dk2>
+        <a:lt2>
+          <a:srgbClr val="808080"/>
+        </a:lt2>
+        <a:accent1>
+          <a:srgbClr val="BBE0E3"/>
+        </a:accent1>
+        <a:accent2>
+          <a:srgbClr val="333399"/>
+        </a:accent2>
+        <a:accent3>
+          <a:srgbClr val="535379"/>
+        </a:accent3>
+        <a:accent4>
+          <a:srgbClr val="737359"/>
+        </a:accent4>
+        <a:accent5>
+          <a:srgbClr val="939339"/>
+        </a:accent5>
+        <a:accent6>
+          <a:srgbClr val="B3B319"/>
+        </a:accent6>
+        <a:hlink>
+          <a:srgbClr val="009999"/>
+        </a:hlink>
+        <a:folHlink>
+          <a:srgbClr val="99CC00"/>
+        </a:folHlink>
+      </a:clrScheme>
+      <a:clrMap bg1="lt1" tx1="dk1" bg2="lt2" tx2="dk2" accent1="accent1" accent2="accent2" accent3="accent3" accent4="accent4" accent5="accent5" accent6="accent6" hlink="hlink" folHlink="folHlink"/>
+    </a:extraClrScheme>
   </a:extraClrSchemeLst>
 </a:theme>
 </file>
--- a/Diploma/User cases при использовании моделей.pptx
+++ b/Diploma/User cases при использовании моделей.pptx
@@ -243,7 +243,7 @@
             <a:spLocks noGrp="1" noChangeArrowheads="1"/>
             <a:extLst>
               <a:ext uri="smNativeData">
-                <pr:smNativeData xmlns:pr="smNativeData" xmlns="smNativeData" val="SMDATA_16_jeCHZxMAAAAlAAAAZAAAAA8BAAAAkAAAAEgAAACQAAAASAAAAAAAAAABAAAAAAAAAAEAAABQAAAAAAAAAAAA4D8AAAAAAADgPwAAAAAAAOA/AAAAAAAA4D8AAAAAAADgPwAAAAAAAOA/AAAAAAAA4D8AAAAAAADgPwAAAAAAAOA/AAAAAAAA4D8CAAAAjAAAAAAAAAAAAAAAu+DjDP///wgAAAAAAAAAAAAAAAAAAAAAAAAAAAAAAAAAAAAAZAAAAAEAAABAAAAAAAAAAAAAAAAAAAAAAAAAAAAAAAAAAAAAAAAAAAAAAAAAAAAAAAAAAAAAAAAAAAAAAAAAAAAAAAAAAAAAAAAAAAAAAAAAAAAAAAAAAAAAAAAAAAAAFAAAADwAAAAAAAAAAAAAAAAAAAkUAAAAAQAAABQAAAAUAAAAFAAAAAEAAAAAAAAAZAAAAGQAAAAAAAAAZAAAAGQAAAAVAAAAYAAAAAAAAAAAAAAADwAAACADAAAAAAAAAAAAAAEAAACgMgAAVgcAAKr4//8BAAAAf39/AAEAAABkAAAAAAAAABQAAABAHwAAAAAAACYAAAAAAAAAwOD//wAAAAAmAAAAZAAAABYAAABMAAAAAAAAAAAAAAAEAAAAAAAAAAEAAACAgIAKAAAAACgAAAAoAAAAZAAAAGQAAAAAAAAAzMzMAAAAAABQAAAAUAAAAGQAAABkAAAAAAAAABcAAAAUAAAAAAAAAAAAAAD/fwAA/38AAAAAAAAJAAAABAAAAAAAAAAeAAAAaAAAAAAAAAAAAAAAAAAAAAAAAAAAAAAAECcAABAnAAAAAAAAAAAAAAAAAAAAAAAAAAAAAAAAAAAAAAAAAAAAABQAAAAAAAAAwMD/AAAAAABkAAAAMgAAAAAAAABkAAAAAAAAAH9/fwAKAAAAIgAAABgAAAAAAAAAAAAAAAAAAAAAAAAAAAAAAAAAAAAkAAAAJAAAAAAAAAAHAAAAAAAAAAAAAAAAAAAAAAAAAAAAAAAAAAAAf39/ACUAAABYAAAAAAAAAAAAAAAAAAAAAAAAAAAAAAAAAAAAAAAAAAAAAAAAAAAAAAAAAAAAAAA/AAAAAAAAAKCGAQAAAAAAAAAAAAAAAAAMAAAAAQAAAAAAAAAAAAAAAAAAAB8AAABUAAAAAAAABQAAAAEAAAAAAAAAAAAAAAAAAAAAAAAAAAAAAAAAAAAAAAAAAAAAAAJ/f38AAAAAA8zMzADAwP8Af39/AAAAAAAAAAAAAAAAAAAAAAAAAAAAIQAAABgAAAAUAAAAoAUAABoNAABgRQAAJhYAABAAAAAmAAAACAAAAAEAAAAAAAAAMAAAABQAAAAAAAAAAAD//wAAAQAAAP//AAABAA=="/>
+                <pr:smNativeData xmlns:pr="smNativeData" xmlns="smNativeData" val="SMDATA_16_oViJZxMAAAAlAAAAZAAAAA8BAAAAkAAAAEgAAACQAAAASAAAAAAAAAABAAAAAAAAAAEAAABQAAAAAAAAAAAA4D8AAAAAAADgPwAAAAAAAOA/AAAAAAAA4D8AAAAAAADgPwAAAAAAAOA/AAAAAAAA4D8AAAAAAADgPwAAAAAAAOA/AAAAAAAA4D8CAAAAjAAAAAAAAAAAAAAAu+DjDP///wgAAAAAAAAAAAAAAAAAAAAAAAAAAAAAAAAAAAAAZAAAAAEAAABAAAAAAAAAAAAAAAAAAAAAAAAAAAAAAAAAAAAAAAAAAAAAAAAAAAAAAAAAAAAAAAAAAAAAAAAAAAAAAAAAAAAAAAAAAAAAAAAAAAAAAAAAAAAAAAAAAAAAFAAAADwAAAAAAAAAAAAAAAAAAAkUAAAAAQAAABQAAAAUAAAAFAAAAAEAAAAAAAAAZAAAAGQAAAAAAAAAZAAAAGQAAAAVAAAAYAAAAAAAAAAAAAAADwAAACADAAAAAAAAAAAAAAEAAACgMgAAVgcAAKr4//8BAAAAf39/AAEAAABkAAAAAAAAABQAAABAHwAAAAAAACYAAAAAAAAAwOD//wAAAAAmAAAAZAAAABYAAABMAAAAAAAAAAAAAAAEAAAAAAAAAAEAAACAgIAKAAAAACgAAAAoAAAAZAAAAGQAAAAAAAAAzMzMAAAAAABQAAAAUAAAAGQAAABkAAAAAAAAABcAAAAUAAAAAAAAAAAAAAD/fwAA/38AAAAAAAAJAAAABAAAAAAAAAAeAAAAaAAAAAAAAAAAAAAAAAAAAAAAAAAAAAAAECcAABAnAAAAAAAAAAAAAAAAAAAAAAAAAAAAAAAAAAAAAAAAAAAAABQAAAAAAAAAwMD/AAAAAABkAAAAMgAAAAAAAABkAAAAAAAAAH9/fwAKAAAAIgAAABgAAAAAAAAAAAAAAAAAAAAAAAAAAAAAAAAAAAAkAAAAJAAAAAAAAAAHAAAAAAAAAAAAAAAAAAAAAAAAAAAAAAAAAAAAf39/ACUAAABYAAAAAAAAAAAAAAAAAAAAAAAAAAAAAAAAAAAAAAAAAAAAAAAAAAAAAAAAAAAAAAA/AAAAAAAAAKCGAQAAAAAAAAAAAAAAAAAMAAAAAQAAAAAAAAAAAAAAAAAAAB8AAABUAAAAAAAABQAAAAEAAAAAAAAAAAAAAAAAAAAAAAAAAAAAAAAAAAAAAAAAAAAAAAJ/f38AAAAAA8zMzADAwP8Af39/AAAAAAAAAAAAAAAAAAAAAAAAAAAAIQAAABgAAAAUAAAAoAUAABoNAABgRQAAJhYAABAAAAAmAAAACAAAAAEAAAAAAAAAMAAAABQAAAAAAAAAAAD//wAAAQAAAP//AAABAA=="/>
               </a:ext>
             </a:extLst>
           </p:cNvSpPr>
@@ -275,7 +275,7 @@
             <a:spLocks noGrp="1" noChangeArrowheads="1"/>
             <a:extLst>
               <a:ext uri="smNativeData">
-                <pr:smNativeData xmlns:pr="smNativeData" xmlns="smNativeData" val="SMDATA_16_jeCHZxMAAAAlAAAAZAAAAA8BAAAAkAAAAEgAAACQAAAASAAAAAAAAAAAAAAAAAAAAAEAAABQAAAAAAAAAAAA4D8AAAAAAADgPwAAAAAAAOA/AAAAAAAA4D8AAAAAAADgPwAAAAAAAOA/AAAAAAAA4D8AAAAAAADgPwAAAAAAAOA/AAAAAAAA4D8CAAAAjAAAAAAAAAAAAAAAu+DjDP///wgAAAAAAAAAAAAAAAAAAAAAAAAAAAAAAAAAAAAAZAAAAAEAAABAAAAAAAAAAAAAAAAAAAAAAAAAAAAAAAAAAAAAAAAAAAAAAAAAAAAAAAAAAAAAAAAAAAAAAAAAAAAAAAAAAAAAAAAAAAAAAAAAAAAAAAAAAAAAAAAAAAAAFAAAADwAAAAAAAAAAAAAAAAAAAkUAAAAAQAAABQAAAAUAAAAFAAAAAEAAAAAAAAAZAAAAGQAAAAAAAAAZAAAAGQAAAAVAAAAYAAAAAAAAAAAAAAADwAAACADAAAAAAAAAAAAAAEAAACgMgAAVgcAAKr4//8BAAAAf39/AAEAAABkAAAAAAAAABQAAABAHwAAAAAAACYAAAAAAAAAwOD//wAAAAAmAAAAZAAAABYAAABMAAAAAAAAAAAAAAAEAAAAAAAAAAEAAACAgIAKAAAAACgAAAAoAAAAZAAAAGQAAAAAAAAAzMzMAAAAAABQAAAAUAAAAGQAAABkAAAAAAAAABcAAAAUAAAAAAAAAAAAAAD/fwAA/38AAAAAAAAJAAAABAAAAAAAAAAeAAAAaAAAAAAAAAAAAAAAAAAAAAAAAAAAAAAAECcAABAnAAAAAAAAAAAAAAAAAAAAAAAAAAAAAAAAAAAAAAAAAAAAABQAAAAAAAAAwMD/AAAAAABkAAAAMgAAAAAAAABkAAAAAAAAAH9/fwAKAAAAIgAAABgAAAAAAAAAAAAAAAAAAAAAAAAAAAAAAAAAAAAkAAAAJAAAAAAAAAAHAAAAAAAAAAAAAAAAAAAAAAAAAAAAAAAAAAAAf39/ACUAAABYAAAAAAAAAAAAAAAAAAAAAAAAAAAAAAAAAAAAAAAAAAAAAAAAAAAAAAAAAAAAAAA/AAAAAAAAAKCGAQAAAAAAAAAAAAAAAAAMAAAAAQAAAAAAAAAAAAAAAAAAAB8AAABUAAAAAAAABQAAAAEAAAAAAAAAAAAAAAAAAAAAAAAAAAAAAAAAAAAAAAAAAAAAAAJ/f38AAAAAA8zMzADAwP8Af39/AAAAAAAAAAAAAAAAAAAAAAAAAAAAIQAAABgAAAAUAAAAQAsAAOgXAADAPwAAsCIAABAAAAAmAAAACAAAAAGAAAAAAAAAMAAAABQAAAAAAAAAAAD//wAAAQAAAP//AAABAA=="/>
+                <pr:smNativeData xmlns:pr="smNativeData" xmlns="smNativeData" val="SMDATA_16_oViJZxMAAAAlAAAAZAAAAA8BAAAAkAAAAEgAAACQAAAASAAAAAAAAAAAAAAAAAAAAAEAAABQAAAAAAAAAAAA4D8AAAAAAADgPwAAAAAAAOA/AAAAAAAA4D8AAAAAAADgPwAAAAAAAOA/AAAAAAAA4D8AAAAAAADgPwAAAAAAAOA/AAAAAAAA4D8CAAAAjAAAAAAAAAAAAAAAu+DjDP///wgAAAAAAAAAAAAAAAAAAAAAAAAAAAAAAAAAAAAAZAAAAAEAAABAAAAAAAAAAAAAAAAAAAAAAAAAAAAAAAAAAAAAAAAAAAAAAAAAAAAAAAAAAAAAAAAAAAAAAAAAAAAAAAAAAAAAAAAAAAAAAAAAAAAAAAAAAAAAAAAAAAAAFAAAADwAAAAAAAAAAAAAAAAAAAkUAAAAAQAAABQAAAAUAAAAFAAAAAEAAAAAAAAAZAAAAGQAAAAAAAAAZAAAAGQAAAAVAAAAYAAAAAAAAAAAAAAADwAAACADAAAAAAAAAAAAAAEAAACgMgAAVgcAAKr4//8BAAAAf39/AAEAAABkAAAAAAAAABQAAABAHwAAAAAAACYAAAAAAAAAwOD//wAAAAAmAAAAZAAAABYAAABMAAAAAAAAAAAAAAAEAAAAAAAAAAEAAACAgIAKAAAAACgAAAAoAAAAZAAAAGQAAAAAAAAAzMzMAAAAAABQAAAAUAAAAGQAAABkAAAAAAAAABcAAAAUAAAAAAAAAAAAAAD/fwAA/38AAAAAAAAJAAAABAAAAAAAAAAeAAAAaAAAAAAAAAAAAAAAAAAAAAAAAAAAAAAAECcAABAnAAAAAAAAAAAAAAAAAAAAAAAAAAAAAAAAAAAAAAAAAAAAABQAAAAAAAAAwMD/AAAAAABkAAAAMgAAAAAAAABkAAAAAAAAAH9/fwAKAAAAIgAAABgAAAAAAAAAAAAAAAAAAAAAAAAAAAAAAAAAAAAkAAAAJAAAAAAAAAAHAAAAAAAAAAAAAAAAAAAAAAAAAAAAAAAAAAAAf39/ACUAAABYAAAAAAAAAAAAAAAAAAAAAAAAAAAAAAAAAAAAAAAAAAAAAAAAAAAAAAAAAAAAAAA/AAAAAAAAAKCGAQAAAAAAAAAAAAAAAAAMAAAAAQAAAAAAAAAAAAAAAAAAAB8AAABUAAAAAAAABQAAAAEAAAAAAAAAAAAAAAAAAAAAAAAAAAAAAAAAAAAAAAAAAAAAAAJ/f38AAAAAA8zMzADAwP8Af39/AAAAAAAAAAAAAAAAAAAAAAAAAAAAIQAAABgAAAAUAAAAQAsAAOgXAADAPwAAsCIAABAAAAAmAAAACAAAAAGAAAAAAAAAMAAAABQAAAAAAAAAAAD//wAAAQAAAP//AAABAA=="/>
               </a:ext>
             </a:extLst>
           </p:cNvSpPr>
@@ -335,7 +335,7 @@
             <a:spLocks noGrp="1" noChangeArrowheads="1"/>
             <a:extLst>
               <a:ext uri="smNativeData">
-                <pr:smNativeData xmlns:pr="smNativeData" xmlns="smNativeData" val="SMDATA_16_jeCHZxMAAAAlAAAAZAAAAA8BAAAAkAAAAEgAAACQAAAASAAAAAAAAAABAAAAAAAAAAEAAABQAAAAAAAAAAAA4D8AAAAAAADgPwAAAAAAAOA/AAAAAAAA4D8AAAAAAADgPwAAAAAAAOA/AAAAAAAA4D8AAAAAAADgPwAAAAAAAOA/AAAAAAAA4D8CAAAAjAAAAAAAAAAAAAAAu+DjDP///wgAAAAAAAAAAAAAAAAAAAAAAAAAAAAAAAAAAAAAZAAAAAEAAABAAAAAAAAAAAAAAAAAAAAAAAAAAAAAAAAAAAAAAAAAAAAAAAAAAAAAAAAAAAAAAAAAAAAAAAAAAAAAAAAAAAAAAAAAAAAAAAAAAAAAAAAAAAAAAAAAAAAAFAAAADwAAAAAAAAAAAAAAAAAAAkUAAAAAQAAABQAAAAUAAAAFAAAAAEAAAAAAAAAZAAAAGQAAAAAAAAAZAAAAGQAAAAVAAAAYAAAAAAAAAAAAAAADwAAACADAAAAAAAAAAAAAAEAAACgMgAAVgcAAKr4//8BAAAAf39/AAEAAABkAAAAAAAAABQAAABAHwAAAAAAACYAAAAAAAAAwOD//wAAAAAmAAAAZAAAABYAAABMAAAAAAAAAAAAAAAEAAAAAAAAAAEAAACAgIAKAAAAACgAAAAoAAAAZAAAAGQAAAAAAAAAzMzMAAAAAABQAAAAUAAAAGQAAABkAAAAAAAAABcAAAAUAAAAAAAAAAAAAAD/fwAA/38AAAAAAAAJAAAABAAAAAAAAAAeAAAAaAAAAAAAAAAAAAAAAAAAAAAAAAAAAAAAECcAABAnAAAAAAAAAAAAAAAAAAAAAAAAAAAAAAAAAAAAAAAAAAAAABQAAAAAAAAAwMD/AAAAAABkAAAAMgAAAAAAAABkAAAAAAAAAH9/fwAKAAAAIgAAABgAAAAAAAAAAAAAAAAAAAAAAAAAAAAAAAAAAAAkAAAAJAAAAAAAAAAHAAAAAAAAAAAAAAAAAAAAAAAAAAAAAAAAAAAAf39/ACUAAABYAAAAAAAAAAAAAAAAAAAAAAAAAAAAAAAAAAAAAAAAAAAAAAAAAAAAAAAAAAAAAAA/AAAAAAAAAKCGAQAAAAAAAAAAAAAAAAAMAAAAAQAAAAAAAAAAAAAAAAAAAB8AAABUAAAAAAAABQAAAAEAAAAAAAAAAAAAAAAAAAAAAAAAAAAAAAAAAAAAAAAAAAAAAAJ/f38AAAAAA8zMzADAwP8Af39/AAAAAAAAAAAAAAAAAAAAAAAAAAAAIQAAABgAAAAUAAAAwAMAABsnAAA/FQAAWSkAABAAAAAmAAAACAAAAAAAAAAAAAAAMAAAABQAAAAAAAAAAAD//wAAAQAAAP//AAABAA=="/>
+                <pr:smNativeData xmlns:pr="smNativeData" xmlns="smNativeData" val="SMDATA_16_oViJZxMAAAAlAAAAZAAAAA8BAAAAkAAAAEgAAACQAAAASAAAAAAAAAABAAAAAAAAAAEAAABQAAAAAAAAAAAA4D8AAAAAAADgPwAAAAAAAOA/AAAAAAAA4D8AAAAAAADgPwAAAAAAAOA/AAAAAAAA4D8AAAAAAADgPwAAAAAAAOA/AAAAAAAA4D8CAAAAjAAAAAAAAAAAAAAAu+DjDP///wgAAAAAAAAAAAAAAAAAAAAAAAAAAAAAAAAAAAAAZAAAAAEAAABAAAAAAAAAAAAAAAAAAAAAAAAAAAAAAAAAAAAAAAAAAAAAAAAAAAAAAAAAAAAAAAAAAAAAAAAAAAAAAAAAAAAAAAAAAAAAAAAAAAAAAAAAAAAAAAAAAAAAFAAAADwAAAAAAAAAAAAAAAAAAAkUAAAAAQAAABQAAAAUAAAAFAAAAAEAAAAAAAAAZAAAAGQAAAAAAAAAZAAAAGQAAAAVAAAAYAAAAAAAAAAAAAAADwAAACADAAAAAAAAAAAAAAEAAACgMgAAVgcAAKr4//8BAAAAf39/AAEAAABkAAAAAAAAABQAAABAHwAAAAAAACYAAAAAAAAAwOD//wAAAAAmAAAAZAAAABYAAABMAAAAAAAAAAAAAAAEAAAAAAAAAAEAAACAgIAKAAAAACgAAAAoAAAAZAAAAGQAAAAAAAAAzMzMAAAAAABQAAAAUAAAAGQAAABkAAAAAAAAABcAAAAUAAAAAAAAAAAAAAD/fwAA/38AAAAAAAAJAAAABAAAAAAAAAAeAAAAaAAAAAAAAAAAAAAAAAAAAAAAAAAAAAAAECcAABAnAAAAAAAAAAAAAAAAAAAAAAAAAAAAAAAAAAAAAAAAAAAAABQAAAAAAAAAwMD/AAAAAABkAAAAMgAAAAAAAABkAAAAAAAAAH9/fwAKAAAAIgAAABgAAAAAAAAAAAAAAAAAAAAAAAAAAAAAAAAAAAAkAAAAJAAAAAAAAAAHAAAAAAAAAAAAAAAAAAAAAAAAAAAAAAAAAAAAf39/ACUAAABYAAAAAAAAAAAAAAAAAAAAAAAAAAAAAAAAAAAAAAAAAAAAAAAAAAAAAAAAAAAAAAA/AAAAAAAAAKCGAQAAAAAAAAAAAAAAAAAMAAAAAQAAAAAAAAAAAAAAAAAAAB8AAABUAAAAAAAABQAAAAEAAAAAAAAAAAAAAAAAAAAAAAAAAAAAAAAAAAAAAAAAAAAAAAJ/f38AAAAAA8zMzADAwP8Af39/AAAAAAAAAAAAAAAAAAAAAAAAAAAAIQAAABgAAAAUAAAAwAMAABsnAAA/FQAAWSkAABAAAAAmAAAACAAAAAAAAAAAAAAAMAAAABQAAAAAAAAAAAD//wAAAQAAAP//AAABAA=="/>
               </a:ext>
             </a:extLst>
           </p:cNvSpPr>
@@ -349,7 +349,7 @@
           <a:lstStyle/>
           <a:p>
             <a:pPr/>
-            <a:fld id="{3D25F14C-02D0-7007-9E9D-F452BFD368A1}" type="datetime1">
+            <a:fld id="{3D8E51DE-90D0-DBA7-9E36-66F21F786833}" type="datetime1">
               <a:t/>
             </a:fld>
           </a:p>
@@ -362,7 +362,7 @@
             <a:spLocks noGrp="1" noChangeArrowheads="1"/>
             <a:extLst>
               <a:ext uri="smNativeData">
-                <pr:smNativeData xmlns:pr="smNativeData" xmlns="smNativeData" val="SMDATA_16_jeCHZxMAAAAlAAAAZAAAAA8BAAAAkAAAAEgAAACQAAAASAAAAAAAAAABAAAAAAAAAAEAAABQAAAAAAAAAAAA4D8AAAAAAADgPwAAAAAAAOA/AAAAAAAA4D8AAAAAAADgPwAAAAAAAOA/AAAAAAAA4D8AAAAAAADgPwAAAAAAAOA/AAAAAAAA4D8CAAAAjAAAAAAAAAAAAAAAu+DjDP///wgAAAAAAAAAAAAAAAAAAAAAAAAAAAAAAAAAAAAAZAAAAAEAAABAAAAAAAAAAAAAAAAAAAAAAAAAAAAAAAAAAAAAAAAAAAAAAAAAAAAAAAAAAAAAAAAAAAAAAAAAAAAAAAAAAAAAAAAAAAAAAAAAAAAAAAAAAAAAAAAAAAAAFAAAADwAAAAAAAAAAAAAAAAAAAkUAAAAAQAAABQAAAAUAAAAFAAAAAEAAAAAAAAAZAAAAGQAAAAAAAAAZAAAAGQAAAAVAAAAYAAAAAAAAAAAAAAADwAAACADAAAAAAAAAAAAAAEAAACgMgAAVgcAAKr4//8BAAAAf39/AAEAAABkAAAAAAAAABQAAABAHwAAAAAAACYAAAAAAAAAwOD//wAAAAAmAAAAZAAAABYAAABMAAAAAAAAAAAAAAAEAAAAAAAAAAEAAACAgIAKAAAAACgAAAAoAAAAZAAAAGQAAAAAAAAAzMzMAAAAAABQAAAAUAAAAGQAAABkAAAAAAAAABcAAAAUAAAAAAAAAAAAAAD/fwAA/38AAAAAAAAJAAAABAAAAAAAAAAeAAAAaAAAAAAAAAAAAAAAAAAAAAAAAAAAAAAAECcAABAnAAAAAAAAAAAAAAAAAAAAAAAAAAAAAAAAAAAAAAAAAAAAABQAAAAAAAAAwMD/AAAAAABkAAAAMgAAAAAAAABkAAAAAAAAAH9/fwAKAAAAIgAAABgAAAAAAAAAAAAAAAAAAAAAAAAAAAAAAAAAAAAkAAAAJAAAAAAAAAAHAAAAAAAAAAAAAAAAAAAAAAAAAAAAAAAAAAAAf39/ACUAAABYAAAAAAAAAAAAAAAAAAAAAAAAAAAAAAAAAAAAAAAAAAAAAAAAAAAAAAAAAAAAAAA/AAAAAAAAAKCGAQAAAAAAAAAAAAAAAAAMAAAAAQAAAAAAAAAAAAAAAAAAAB8AAABUAAAAAAAABQAAAAEAAAAAAAAAAAAAAAAAAAAAAAAAAAAAAAAAAAAAAAAAAAAAAAJ/f38AAAAAA8zMzADAwP8Af39/AAAAAAAAAAAAAAAAAAAAAAAAAAAAIQAAABgAAAAUAAAAoRkAABsnAABfMQAAWSkAABAAAAAmAAAACAAAAAAAAAAAAAAAMAAAABQAAAAAAAAAAAD//wAAAQAAAP//AAABAA=="/>
+                <pr:smNativeData xmlns:pr="smNativeData" xmlns="smNativeData" val="SMDATA_16_oViJZxMAAAAlAAAAZAAAAA8BAAAAkAAAAEgAAACQAAAASAAAAAAAAAABAAAAAAAAAAEAAABQAAAAAAAAAAAA4D8AAAAAAADgPwAAAAAAAOA/AAAAAAAA4D8AAAAAAADgPwAAAAAAAOA/AAAAAAAA4D8AAAAAAADgPwAAAAAAAOA/AAAAAAAA4D8CAAAAjAAAAAAAAAAAAAAAu+DjDP///wgAAAAAAAAAAAAAAAAAAAAAAAAAAAAAAAAAAAAAZAAAAAEAAABAAAAAAAAAAAAAAAAAAAAAAAAAAAAAAAAAAAAAAAAAAAAAAAAAAAAAAAAAAAAAAAAAAAAAAAAAAAAAAAAAAAAAAAAAAAAAAAAAAAAAAAAAAAAAAAAAAAAAFAAAADwAAAAAAAAAAAAAAAAAAAkUAAAAAQAAABQAAAAUAAAAFAAAAAEAAAAAAAAAZAAAAGQAAAAAAAAAZAAAAGQAAAAVAAAAYAAAAAAAAAAAAAAADwAAACADAAAAAAAAAAAAAAEAAACgMgAAVgcAAKr4//8BAAAAf39/AAEAAABkAAAAAAAAABQAAABAHwAAAAAAACYAAAAAAAAAwOD//wAAAAAmAAAAZAAAABYAAABMAAAAAAAAAAAAAAAEAAAAAAAAAAEAAACAgIAKAAAAACgAAAAoAAAAZAAAAGQAAAAAAAAAzMzMAAAAAABQAAAAUAAAAGQAAABkAAAAAAAAABcAAAAUAAAAAAAAAAAAAAD/fwAA/38AAAAAAAAJAAAABAAAAAAAAAAeAAAAaAAAAAAAAAAAAAAAAAAAAAAAAAAAAAAAECcAABAnAAAAAAAAAAAAAAAAAAAAAAAAAAAAAAAAAAAAAAAAAAAAABQAAAAAAAAAwMD/AAAAAABkAAAAMgAAAAAAAABkAAAAAAAAAH9/fwAKAAAAIgAAABgAAAAAAAAAAAAAAAAAAAAAAAAAAAAAAAAAAAAkAAAAJAAAAAAAAAAHAAAAAAAAAAAAAAAAAAAAAAAAAAAAAAAAAAAAf39/ACUAAABYAAAAAAAAAAAAAAAAAAAAAAAAAAAAAAAAAAAAAAAAAAAAAAAAAAAAAAAAAAAAAAA/AAAAAAAAAKCGAQAAAAAAAAAAAAAAAAAMAAAAAQAAAAAAAAAAAAAAAAAAAB8AAABUAAAAAAAABQAAAAEAAAAAAAAAAAAAAAAAAAAAAAAAAAAAAAAAAAAAAAAAAAAAAAJ/f38AAAAAA8zMzADAwP8Af39/AAAAAAAAAAAAAAAAAAAAAAAAAAAAIQAAABgAAAAUAAAAoRkAABsnAABfMQAAWSkAABAAAAAmAAAACAAAAAAAAAAAAAAAMAAAABQAAAAAAAAAAAD//wAAAQAAAP//AAABAA=="/>
               </a:ext>
             </a:extLst>
           </p:cNvSpPr>
@@ -386,7 +386,7 @@
             <a:spLocks noGrp="1" noChangeArrowheads="1"/>
             <a:extLst>
               <a:ext uri="smNativeData">
-                <pr:smNativeData xmlns:pr="smNativeData" xmlns="smNativeData" val="SMDATA_16_jeCHZxMAAAAlAAAAZAAAAA8BAAAAkAAAAEgAAACQAAAASAAAAAAAAAABAAAAAAAAAAEAAABQAAAAAAAAAAAA4D8AAAAAAADgPwAAAAAAAOA/AAAAAAAA4D8AAAAAAADgPwAAAAAAAOA/AAAAAAAA4D8AAAAAAADgPwAAAAAAAOA/AAAAAAAA4D8CAAAAjAAAAAAAAAAAAAAAu+DjDP///wgAAAAAAAAAAAAAAAAAAAAAAAAAAAAAAAAAAAAAZAAAAAEAAABAAAAAAAAAAAAAAAAAAAAAAAAAAAAAAAAAAAAAAAAAAAAAAAAAAAAAAAAAAAAAAAAAAAAAAAAAAAAAAAAAAAAAAAAAAAAAAAAAAAAAAAAAAAAAAAAAAAAAFAAAADwAAAAAAAAAAAAAAAAAAAkUAAAAAQAAABQAAAAUAAAAFAAAAAEAAAAAAAAAZAAAAGQAAAAAAAAAZAAAAGQAAAAVAAAAYAAAAAAAAAAAAAAADwAAACADAAAAAAAAAAAAAAEAAACgMgAAVgcAAKr4//8BAAAAf39/AAEAAABkAAAAAAAAABQAAABAHwAAAAAAACYAAAAAAAAAwOD//wAAAAAmAAAAZAAAABYAAABMAAAAAAAAAAAAAAAEAAAAAAAAAAEAAACAgIAKAAAAACgAAAAoAAAAZAAAAGQAAAAAAAAAzMzMAAAAAABQAAAAUAAAAGQAAABkAAAAAAAAABcAAAAUAAAAAAAAAAAAAAD/fwAA/38AAAAAAAAJAAAABAAAAHsAfAAeAAAAaAAAAAAAAAAAAAAAAAAAAAAAAAAAAAAAECcAABAnAAAAAAAAAAAAAAAAAAAAAAAAAAAAAAAAAAAAAAAAAAAAABQAAAAAAAAAwMD/AAAAAABkAAAAMgAAAAAAAABkAAAAAAAAAH9/fwAKAAAAIgAAABgAAAAAAAAAAAAAAAAAAAAAAAAAAAAAAAAAAAAkAAAAJAAAAAAAAAAHAAAAAAAAAAAAAAAAAAAAAAAAAAAAAAAAAAAAf39/ACUAAABYAAAAAAAAAAAAAAAAAAAAAAAAAAAAAAAAAAAAAAAAAAAAAAAAAAAAAAAAAAAAAAA/AAAAAAAAAKCGAQAAAAAAAAAAAAAAAAAMAAAAAQAAAAAAAAAAAAAAAAAAAB8AAABUAAAAAAAABQAAAAEAAAAAAAAAAAAAAAAAAAAAAAAAAAAAAAAAAAAAAAAAAAAAAAJ/f38AAAAAA8zMzADAwP8Af39/AAAAAAAAAAAAAAAAAAAAAAAAAAAAIQAAABgAAAAUAAAAwTUAABsnAABARwAAWSkAABAAAAAmAAAACAAAAAAAAAAAAAAAMAAAABQAAAAAAAAAAAD//wAAAQAAAP//AAABAA=="/>
+                <pr:smNativeData xmlns:pr="smNativeData" xmlns="smNativeData" val="SMDATA_16_oViJZxMAAAAlAAAAZAAAAA8BAAAAkAAAAEgAAACQAAAASAAAAAAAAAABAAAAAAAAAAEAAABQAAAAAAAAAAAA4D8AAAAAAADgPwAAAAAAAOA/AAAAAAAA4D8AAAAAAADgPwAAAAAAAOA/AAAAAAAA4D8AAAAAAADgPwAAAAAAAOA/AAAAAAAA4D8CAAAAjAAAAAAAAAAAAAAAu+DjDP///wgAAAAAAAAAAAAAAAAAAAAAAAAAAAAAAAAAAAAAZAAAAAEAAABAAAAAAAAAAAAAAAAAAAAAAAAAAAAAAAAAAAAAAAAAAAAAAAAAAAAAAAAAAAAAAAAAAAAAAAAAAAAAAAAAAAAAAAAAAAAAAAAAAAAAAAAAAAAAAAAAAAAAFAAAADwAAAAAAAAAAAAAAAAAAAkUAAAAAQAAABQAAAAUAAAAFAAAAAEAAAAAAAAAZAAAAGQAAAAAAAAAZAAAAGQAAAAVAAAAYAAAAAAAAAAAAAAADwAAACADAAAAAAAAAAAAAAEAAACgMgAAVgcAAKr4//8BAAAAf39/AAEAAABkAAAAAAAAABQAAABAHwAAAAAAACYAAAAAAAAAwOD//wAAAAAmAAAAZAAAABYAAABMAAAAAAAAAAAAAAAEAAAAAAAAAAEAAACAgIAKAAAAACgAAAAoAAAAZAAAAGQAAAAAAAAAzMzMAAAAAABQAAAAUAAAAGQAAABkAAAAAAAAABcAAAAUAAAAAAAAAAAAAAD/fwAA/38AAAAAAAAJAAAABAAAAHsAfAAeAAAAaAAAAAAAAAAAAAAAAAAAAAAAAAAAAAAAECcAABAnAAAAAAAAAAAAAAAAAAAAAAAAAAAAAAAAAAAAAAAAAAAAABQAAAAAAAAAwMD/AAAAAABkAAAAMgAAAAAAAABkAAAAAAAAAH9/fwAKAAAAIgAAABgAAAAAAAAAAAAAAAAAAAAAAAAAAAAAAAAAAAAkAAAAJAAAAAAAAAAHAAAAAAAAAAAAAAAAAAAAAAAAAAAAAAAAAAAAf39/ACUAAABYAAAAAAAAAAAAAAAAAAAAAAAAAAAAAAAAAAAAAAAAAAAAAAAAAAAAAAAAAAAAAAA/AAAAAAAAAKCGAQAAAAAAAAAAAAAAAAAMAAAAAQAAAAAAAAAAAAAAAAAAAB8AAABUAAAAAAAABQAAAAEAAAAAAAAAAAAAAAAAAAAAAAAAAAAAAAAAAAAAAAAAAAAAAAJ/f38AAAAAA8zMzADAwP8Af39/AAAAAAAAAAAAAAAAAAAAAAAAAAAAIQAAABgAAAAUAAAAwTUAABsnAABARwAAWSkAABAAAAAmAAAACAAAAAAAAAAAAAAAMAAAABQAAAAAAAAAAAD//wAAAQAAAP//AAABAA=="/>
               </a:ext>
             </a:extLst>
           </p:cNvSpPr>
@@ -400,7 +400,7 @@
           <a:lstStyle/>
           <a:p>
             <a:pPr/>
-            <a:fld id="{3D259525-6BD0-7063-9E9D-9D36DBD368C8}" type="slidenum">
+            <a:fld id="{3D8E7788-C6D0-DB81-9E36-30D439786865}" type="slidenum">
               <a:t/>
             </a:fld>
           </a:p>
@@ -439,7 +439,7 @@
             <a:spLocks noGrp="1" noChangeArrowheads="1"/>
             <a:extLst>
               <a:ext uri="smNativeData">
-                <pr:smNativeData xmlns:pr="smNativeData" xmlns="smNativeData" val="SMDATA_16_jeCHZxMAAAAlAAAAZAAAAA8BAAAAkAAAAEgAAACQAAAASAAAAAAAAAABAAAAAAAAAAEAAABQAAAAAAAAAAAA4D8AAAAAAADgPwAAAAAAAOA/AAAAAAAA4D8AAAAAAADgPwAAAAAAAOA/AAAAAAAA4D8AAAAAAADgPwAAAAAAAOA/AAAAAAAA4D8CAAAAjAAAAAAAAAAAAAAAu+DjDP///wgAAAAAAAAAAAAAAAAAAAAAAAAAAAAAAAAAAAAAZAAAAAEAAABAAAAAAAAAAAAAAAAAAAAAAAAAAAAAAAAAAAAAAAAAAAAAAAAAAAAAAAAAAAAAAAAAAAAAAAAAAAAAAAAAAAAAAAAAAAAAAAAAAAAAAAAAAAAAAAAAAAAAFAAAADwAAAAAAAAAAAAAAAAAAAkUAAAAAQAAABQAAAAUAAAAFAAAAAEAAAAAAAAAZAAAAGQAAAAAAAAAZAAAAGQAAAAVAAAAYAAAAAAAAAAAAAAADwAAACADAAAAAAAAAAAAAAEAAACgMgAAVgcAAKr4//8BAAAAf39/AAEAAABkAAAAAAAAABQAAABAHwAAAAAAACYAAAAAAAAAwOD//wAAAAAmAAAAZAAAABYAAABMAAAAAAAAAAAAAAAEAAAAAAAAAAEAAACAgIAKAAAAACgAAAAoAAAAZAAAAGQAAAAAAAAAzMzMAAAAAABQAAAAUAAAAGQAAABkAAAAAAAAABcAAAAUAAAAAAAAAAAAAAD/fwAA/38AAAAAAAAJAAAABAAAAG49IjEeAAAAaAAAAAAAAAAAAAAAAAAAAAAAAAAAAAAAECcAABAnAAAAAAAAAAAAAAAAAAAAAAAAAAAAAAAAAAAAAAAAAAAAABQAAAAAAAAAwMD/AAAAAABkAAAAMgAAAAAAAABkAAAAAAAAAH9/fwAKAAAAIgAAABgAAAAAAAAAAAAAAAAAAAAAAAAAAAAAAAAAAAAkAAAAJAAAAAAAAAAHAAAAAAAAAAAAAAAAAAAAAAAAAAAAAAAAAAAAf39/ACUAAABYAAAAAAAAAAAAAAAAAAAAAAAAAAAAAAAAAAAAAAAAAAAAAAAAAAAAAAAAAAAAAAA/AAAAAAAAAKCGAQAAAAAAAAAAAAAAAAAMAAAAAQAAAAAAAAAAAAAAAAAAAB8AAABUAAAAAAAABQAAAAEAAAAAAAAAAAAAAAAAAAAAAAAAAAAAAAAAAAAAAAAAAAAAAAJ/f38AAAAAA8zMzADAwP8Af39/AAAAAAAAAAAAAAAAAAAAAAAAAAAAIQAAABgAAAAUAAAAwAMAALABAABARwAAuAgAABAAAAAmAAAACAAAAAAAAAAAAAAAMAAAABQAAAAAAAAAAAD//wAAAQAAAP//AAABAA=="/>
+                <pr:smNativeData xmlns:pr="smNativeData" xmlns="smNativeData" val="SMDATA_16_oViJZxMAAAAlAAAAZAAAAA8BAAAAkAAAAEgAAACQAAAASAAAAAAAAAABAAAAAAAAAAEAAABQAAAAAAAAAAAA4D8AAAAAAADgPwAAAAAAAOA/AAAAAAAA4D8AAAAAAADgPwAAAAAAAOA/AAAAAAAA4D8AAAAAAADgPwAAAAAAAOA/AAAAAAAA4D8CAAAAjAAAAAAAAAAAAAAAu+DjDP///wgAAAAAAAAAAAAAAAAAAAAAAAAAAAAAAAAAAAAAZAAAAAEAAABAAAAAAAAAAAAAAAAAAAAAAAAAAAAAAAAAAAAAAAAAAAAAAAAAAAAAAAAAAAAAAAAAAAAAAAAAAAAAAAAAAAAAAAAAAAAAAAAAAAAAAAAAAAAAAAAAAAAAFAAAADwAAAAAAAAAAAAAAAAAAAkUAAAAAQAAABQAAAAUAAAAFAAAAAEAAAAAAAAAZAAAAGQAAAAAAAAAZAAAAGQAAAAVAAAAYAAAAAAAAAAAAAAADwAAACADAAAAAAAAAAAAAAEAAACgMgAAVgcAAKr4//8BAAAAf39/AAEAAABkAAAAAAAAABQAAABAHwAAAAAAACYAAAAAAAAAwOD//wAAAAAmAAAAZAAAABYAAABMAAAAAAAAAAAAAAAEAAAAAAAAAAEAAACAgIAKAAAAACgAAAAoAAAAZAAAAGQAAAAAAAAAzMzMAAAAAABQAAAAUAAAAGQAAABkAAAAAAAAABcAAAAUAAAAAAAAAAAAAAD/fwAA/38AAAAAAAAJAAAABAAAAG49IjEeAAAAaAAAAAAAAAAAAAAAAAAAAAAAAAAAAAAAECcAABAnAAAAAAAAAAAAAAAAAAAAAAAAAAAAAAAAAAAAAAAAAAAAABQAAAAAAAAAwMD/AAAAAABkAAAAMgAAAAAAAABkAAAAAAAAAH9/fwAKAAAAIgAAABgAAAAAAAAAAAAAAAAAAAAAAAAAAAAAAAAAAAAkAAAAJAAAAAAAAAAHAAAAAAAAAAAAAAAAAAAAAAAAAAAAAAAAAAAAf39/ACUAAABYAAAAAAAAAAAAAAAAAAAAAAAAAAAAAAAAAAAAAAAAAAAAAAAAAAAAAAAAAAAAAAA/AAAAAAAAAKCGAQAAAAAAAAAAAAAAAAAMAAAAAQAAAAAAAAAAAAAAAAAAAB8AAABUAAAAAAAABQAAAAEAAAAAAAAAAAAAAAAAAAAAAAAAAAAAAAAAAAAAAAAAAAAAAAJ/f38AAAAAA8zMzADAwP8Af39/AAAAAAAAAAAAAAAAAAAAAAAAAAAAIQAAABgAAAAUAAAAwAMAALABAABARwAAuAgAABAAAAAmAAAACAAAAAAAAAAAAAAAMAAAABQAAAAAAAAAAAD//wAAAQAAAP//AAABAA=="/>
               </a:ext>
             </a:extLst>
           </p:cNvSpPr>
@@ -466,7 +466,7 @@
             <a:spLocks noGrp="1" noChangeArrowheads="1"/>
             <a:extLst>
               <a:ext uri="smNativeData">
-                <pr:smNativeData xmlns:pr="smNativeData" xmlns="smNativeData" val="SMDATA_16_jeCHZxMAAAAlAAAAZAAAAA8BAAAAkAAAAEgAAACQAAAASAAAAAAAAAAAAAAAAQAAAAEAAABQAAAAAAAAAAAA4D8AAAAAAADgPwAAAAAAAOA/AAAAAAAA4D8AAAAAAADgPwAAAAAAAOA/AAAAAAAA4D8AAAAAAADgPwAAAAAAAOA/AAAAAAAA4D8CAAAAjAAAAAAAAAAAAAAAu+DjDP///wgAAAAAAAAAAAAAAAAAAAAAAAAAAAAAAAAAAAAAZAAAAAEAAABAAAAAAAAAAAAAAAAAAAAAAAAAAAAAAAAAAAAAAAAAAAAAAAAAAAAAAAAAAAAAAAAAAAAAAAAAAAAAAAAAAAAAAAAAAAAAAAAAAAAAAAAAAAAAAAAAAAAAFAAAADwAAAAAAAAAAAAAAAAAAAkUAAAAAQAAABQAAAAUAAAAFAAAAAEAAAAAAAAAZAAAAGQAAAAAAAAAZAAAAGQAAAAVAAAAYAAAAAAAAAAAAAAADwAAACADAAAAAAAAAAAAAAEAAACgMgAAVgcAAKr4//8BAAAAf39/AAEAAABkAAAAAAAAABQAAABAHwAAAAAAACYAAAAAAAAAwOD//wAAAAAmAAAAZAAAABYAAABMAAAAAAAAAAAAAAAEAAAAAAAAAAEAAACAgIAKAAAAACgAAAAoAAAAZAAAAGQAAAAAAAAAzMzMAAAAAABQAAAAUAAAAGQAAABkAAAAAAAAABcAAAAUAAAAAAAAAAAAAAD/fwAA/38AAAAAAAAJAAAABAAAAAAAAAAeAAAAaAAAAAAAAAAAAAAAAAAAAAAAAAAAAAAAECcAABAnAAAAAAAAAAAAAAAAAAAAAAAAAAAAAAAAAAAAAAAAAAAAABQAAAAAAAAAwMD/AAAAAABkAAAAMgAAAAAAAABkAAAAAAAAAH9/fwAKAAAAIgAAABgAAAAAAAAAAAAAAAAAAAAAAAAAAAAAAAAAAAAkAAAAJAAAAAAAAAAHAAAAAAAAAAAAAAAAAAAAAAAAAAAAAAAAAAAAf39/ACUAAABYAAAAAAAAAAAAAAAAAAAAAAAAAAAAAAAAAAAAAAAAAAAAAAAAAAAAAAAAAAAAAAA/AAAAAAAAAKCGAQAAAAAAAAAAAAAAAAAMAAAAAQAAAAAAAAAAAAAAAAAAAB8AAABUAAAAAAAABQAAAAEAAAAAAAAAAAAAAAAAAAAAAAAAAAAAAAAAAAAAAAAAAAAAAAJ/f38AAAAAA8zMzADAwP8Af39/AAAAAAAAAAAAAAAAAAAAAAAAAAAAIQAAABgAAAAUAAAAwAMAANgJAABARwAAsCUAABAAAAAmAAAACAAAAAIAAAAAAAAAMAAAABQAAAAAAAAAAAD//wAAAQAAAP//AAABAA=="/>
+                <pr:smNativeData xmlns:pr="smNativeData" xmlns="smNativeData" val="SMDATA_16_oViJZxMAAAAlAAAAZAAAAA8BAAAAkAAAAEgAAACQAAAASAAAAAAAAAAAAAAAAQAAAAEAAABQAAAAAAAAAAAA4D8AAAAAAADgPwAAAAAAAOA/AAAAAAAA4D8AAAAAAADgPwAAAAAAAOA/AAAAAAAA4D8AAAAAAADgPwAAAAAAAOA/AAAAAAAA4D8CAAAAjAAAAAAAAAAAAAAAu+DjDP///wgAAAAAAAAAAAAAAAAAAAAAAAAAAAAAAAAAAAAAZAAAAAEAAABAAAAAAAAAAAAAAAAAAAAAAAAAAAAAAAAAAAAAAAAAAAAAAAAAAAAAAAAAAAAAAAAAAAAAAAAAAAAAAAAAAAAAAAAAAAAAAAAAAAAAAAAAAAAAAAAAAAAAFAAAADwAAAAAAAAAAAAAAAAAAAkUAAAAAQAAABQAAAAUAAAAFAAAAAEAAAAAAAAAZAAAAGQAAAAAAAAAZAAAAGQAAAAVAAAAYAAAAAAAAAAAAAAADwAAACADAAAAAAAAAAAAAAEAAACgMgAAVgcAAKr4//8BAAAAf39/AAEAAABkAAAAAAAAABQAAABAHwAAAAAAACYAAAAAAAAAwOD//wAAAAAmAAAAZAAAABYAAABMAAAAAAAAAAAAAAAEAAAAAAAAAAEAAACAgIAKAAAAACgAAAAoAAAAZAAAAGQAAAAAAAAAzMzMAAAAAABQAAAAUAAAAGQAAABkAAAAAAAAABcAAAAUAAAAAAAAAAAAAAD/fwAA/38AAAAAAAAJAAAABAAAAAAAAAAeAAAAaAAAAAAAAAAAAAAAAAAAAAAAAAAAAAAAECcAABAnAAAAAAAAAAAAAAAAAAAAAAAAAAAAAAAAAAAAAAAAAAAAABQAAAAAAAAAwMD/AAAAAABkAAAAMgAAAAAAAABkAAAAAAAAAH9/fwAKAAAAIgAAABgAAAAAAAAAAAAAAAAAAAAAAAAAAAAAAAAAAAAkAAAAJAAAAAAAAAAHAAAAAAAAAAAAAAAAAAAAAAAAAAAAAAAAAAAAf39/ACUAAABYAAAAAAAAAAAAAAAAAAAAAAAAAAAAAAAAAAAAAAAAAAAAAAAAAAAAAAAAAAAAAAA/AAAAAAAAAKCGAQAAAAAAAAAAAAAAAAAMAAAAAQAAAAAAAAAAAAAAAAAAAB8AAABUAAAAAAAABQAAAAEAAAAAAAAAAAAAAAAAAAAAAAAAAAAAAAAAAAAAAAAAAAAAAAJ/f38AAAAAA8zMzADAwP8Af39/AAAAAAAAAAAAAAAAAAAAAAAAAAAAIQAAABgAAAAUAAAAwAMAANgJAABARwAAsCUAABAAAAAmAAAACAAAAAIAAAAAAAAAMAAAABQAAAAAAAAAAAD//wAAAQAAAP//AAABAA=="/>
               </a:ext>
             </a:extLst>
           </p:cNvSpPr>
@@ -521,7 +521,7 @@
             <a:spLocks noGrp="1" noChangeArrowheads="1"/>
             <a:extLst>
               <a:ext uri="smNativeData">
-                <pr:smNativeData xmlns:pr="smNativeData" xmlns="smNativeData" val="SMDATA_16_jeCHZxMAAAAlAAAAZAAAAA8BAAAAkAAAAEgAAACQAAAASAAAAAAAAAABAAAAAAAAAAEAAABQAAAAAAAAAAAA4D8AAAAAAADgPwAAAAAAAOA/AAAAAAAA4D8AAAAAAADgPwAAAAAAAOA/AAAAAAAA4D8AAAAAAADgPwAAAAAAAOA/AAAAAAAA4D8CAAAAjAAAAAAAAAAAAAAAu+DjDP///wgAAAAAAAAAAAAAAAAAAAAAAAAAAAAAAAAAAAAAZAAAAAEAAABAAAAAAAAAAAAAAAAAAAAAAAAAAAAAAAAAAAAAAAAAAAAAAAAAAAAAAAAAAAAAAAAAAAAAAAAAAAAAAAAAAAAAAAAAAAAAAAAAAAAAAAAAAAAAAAAAAAAAFAAAADwAAAAAAAAAAAAAAAAAAAkUAAAAAQAAABQAAAAUAAAAFAAAAAEAAAAAAAAAZAAAAGQAAAAAAAAAZAAAAGQAAAAVAAAAYAAAAAAAAAAAAAAADwAAACADAAAAAAAAAAAAAAEAAACgMgAAVgcAAKr4//8BAAAAf39/AAEAAABkAAAAAAAAABQAAABAHwAAAAAAACYAAAAAAAAAwOD//wAAAAAmAAAAZAAAABYAAABMAAAAAAAAAAAAAAAEAAAAAAAAAAEAAACAgIAKAAAAACgAAAAoAAAAZAAAAGQAAAAAAAAAzMzMAAAAAABQAAAAUAAAAGQAAABkAAAAAAAAABcAAAAUAAAAAAAAAAAAAAD/fwAA/38AAAAAAAAJAAAABAAAAAAAAAAeAAAAaAAAAAAAAAAAAAAAAAAAAAAAAAAAAAAAECcAABAnAAAAAAAAAAAAAAAAAAAAAAAAAAAAAAAAAAAAAAAAAAAAABQAAAAAAAAAwMD/AAAAAABkAAAAMgAAAAAAAABkAAAAAAAAAH9/fwAKAAAAIgAAABgAAAAAAAAAAAAAAAAAAAAAAAAAAAAAAAAAAAAkAAAAJAAAAAAAAAAHAAAAAAAAAAAAAAAAAAAAAAAAAAAAAAAAAAAAf39/ACUAAABYAAAAAAAAAAAAAAAAAAAAAAAAAAAAAAAAAAAAAAAAAAAAAAAAAAAAAAAAAAAAAAA/AAAAAAAAAKCGAQAAAAAAAAAAAAAAAAAMAAAAAQAAAAAAAAAAAAAAAAAAAB8AAABUAAAAAAAABQAAAAEAAAAAAAAAAAAAAAAAAAAAAAAAAAAAAAAAAAAAAAAAAAAAAAJ/f38AAAAAA8zMzADAwP8Af39/AAAAAAAAAAAAAAAAAAAAAAAAAAAAIQAAABgAAAAUAAAAwAMAABsnAAA/FQAAWSkAABAAAAAmAAAACAAAAAAAAAAAAAAAMAAAABQAAAAAAAAAAAD//wAAAQAAAP//AAABAA=="/>
+                <pr:smNativeData xmlns:pr="smNativeData" xmlns="smNativeData" val="SMDATA_16_oViJZxMAAAAlAAAAZAAAAA8BAAAAkAAAAEgAAACQAAAASAAAAAAAAAABAAAAAAAAAAEAAABQAAAAAAAAAAAA4D8AAAAAAADgPwAAAAAAAOA/AAAAAAAA4D8AAAAAAADgPwAAAAAAAOA/AAAAAAAA4D8AAAAAAADgPwAAAAAAAOA/AAAAAAAA4D8CAAAAjAAAAAAAAAAAAAAAu+DjDP///wgAAAAAAAAAAAAAAAAAAAAAAAAAAAAAAAAAAAAAZAAAAAEAAABAAAAAAAAAAAAAAAAAAAAAAAAAAAAAAAAAAAAAAAAAAAAAAAAAAAAAAAAAAAAAAAAAAAAAAAAAAAAAAAAAAAAAAAAAAAAAAAAAAAAAAAAAAAAAAAAAAAAAFAAAADwAAAAAAAAAAAAAAAAAAAkUAAAAAQAAABQAAAAUAAAAFAAAAAEAAAAAAAAAZAAAAGQAAAAAAAAAZAAAAGQAAAAVAAAAYAAAAAAAAAAAAAAADwAAACADAAAAAAAAAAAAAAEAAACgMgAAVgcAAKr4//8BAAAAf39/AAEAAABkAAAAAAAAABQAAABAHwAAAAAAACYAAAAAAAAAwOD//wAAAAAmAAAAZAAAABYAAABMAAAAAAAAAAAAAAAEAAAAAAAAAAEAAACAgIAKAAAAACgAAAAoAAAAZAAAAGQAAAAAAAAAzMzMAAAAAABQAAAAUAAAAGQAAABkAAAAAAAAABcAAAAUAAAAAAAAAAAAAAD/fwAA/38AAAAAAAAJAAAABAAAAAAAAAAeAAAAaAAAAAAAAAAAAAAAAAAAAAAAAAAAAAAAECcAABAnAAAAAAAAAAAAAAAAAAAAAAAAAAAAAAAAAAAAAAAAAAAAABQAAAAAAAAAwMD/AAAAAABkAAAAMgAAAAAAAABkAAAAAAAAAH9/fwAKAAAAIgAAABgAAAAAAAAAAAAAAAAAAAAAAAAAAAAAAAAAAAAkAAAAJAAAAAAAAAAHAAAAAAAAAAAAAAAAAAAAAAAAAAAAAAAAAAAAf39/ACUAAABYAAAAAAAAAAAAAAAAAAAAAAAAAAAAAAAAAAAAAAAAAAAAAAAAAAAAAAAAAAAAAAA/AAAAAAAAAKCGAQAAAAAAAAAAAAAAAAAMAAAAAQAAAAAAAAAAAAAAAAAAAB8AAABUAAAAAAAABQAAAAEAAAAAAAAAAAAAAAAAAAAAAAAAAAAAAAAAAAAAAAAAAAAAAAJ/f38AAAAAA8zMzADAwP8Af39/AAAAAAAAAAAAAAAAAAAAAAAAAAAAIQAAABgAAAAUAAAAwAMAABsnAAA/FQAAWSkAABAAAAAmAAAACAAAAAAAAAAAAAAAMAAAABQAAAAAAAAAAAD//wAAAQAAAP//AAABAA=="/>
               </a:ext>
             </a:extLst>
           </p:cNvSpPr>
@@ -535,7 +535,7 @@
           <a:lstStyle/>
           <a:p>
             <a:pPr/>
-            <a:fld id="{3D25D702-4CD0-7021-9E9D-BA7499D368EF}" type="datetime1">
+            <a:fld id="{3D8E3B98-D6D0-DBCD-9E36-209875786875}" type="datetime1">
               <a:t/>
             </a:fld>
           </a:p>
@@ -548,7 +548,7 @@
             <a:spLocks noGrp="1" noChangeArrowheads="1"/>
             <a:extLst>
               <a:ext uri="smNativeData">
-                <pr:smNativeData xmlns:pr="smNativeData" xmlns="smNativeData" val="SMDATA_16_jeCHZxMAAAAlAAAAZAAAAA8BAAAAkAAAAEgAAACQAAAASAAAAAAAAAABAAAAAAAAAAEAAABQAAAAAAAAAAAA4D8AAAAAAADgPwAAAAAAAOA/AAAAAAAA4D8AAAAAAADgPwAAAAAAAOA/AAAAAAAA4D8AAAAAAADgPwAAAAAAAOA/AAAAAAAA4D8CAAAAjAAAAAAAAAAAAAAAu+DjDP///wgAAAAAAAAAAAAAAAAAAAAAAAAAAAAAAAAAAAAAZAAAAAEAAABAAAAAAAAAAAAAAAAAAAAAAAAAAAAAAAAAAAAAAAAAAAAAAAAAAAAAAAAAAAAAAAAAAAAAAAAAAAAAAAAAAAAAAAAAAAAAAAAAAAAAAAAAAAAAAAAAAAAAFAAAADwAAAAAAAAAAAAAAAAAAAkUAAAAAQAAABQAAAAUAAAAFAAAAAEAAAAAAAAAZAAAAGQAAAAAAAAAZAAAAGQAAAAVAAAAYAAAAAAAAAAAAAAADwAAACADAAAAAAAAAAAAAAEAAACgMgAAVgcAAKr4//8BAAAAf39/AAEAAABkAAAAAAAAABQAAABAHwAAAAAAACYAAAAAAAAAwOD//wAAAAAmAAAAZAAAABYAAABMAAAAAAAAAAAAAAAEAAAAAAAAAAEAAACAgIAKAAAAACgAAAAoAAAAZAAAAGQAAAAAAAAAzMzMAAAAAABQAAAAUAAAAGQAAABkAAAAAAAAABcAAAAUAAAAAAAAAAAAAAD/fwAA/38AAAAAAAAJAAAABAAAAGE6c3AeAAAAaAAAAAAAAAAAAAAAAAAAAAAAAAAAAAAAECcAABAnAAAAAAAAAAAAAAAAAAAAAAAAAAAAAAAAAAAAAAAAAAAAABQAAAAAAAAAwMD/AAAAAABkAAAAMgAAAAAAAABkAAAAAAAAAH9/fwAKAAAAIgAAABgAAAAAAAAAAAAAAAAAAAAAAAAAAAAAAAAAAAAkAAAAJAAAAAAAAAAHAAAAAAAAAAAAAAAAAAAAAAAAAAAAAAAAAAAAf39/ACUAAABYAAAAAAAAAAAAAAAAAAAAAAAAAAAAAAAAAAAAAAAAAAAAAAAAAAAAAAAAAAAAAAA/AAAAAAAAAKCGAQAAAAAAAAAAAAAAAAAMAAAAAQAAAAAAAAAAAAAAAAAAAB8AAABUAAAAAAAABQAAAAEAAAAAAAAAAAAAAAAAAAAAAAAAAAAAAAAAAAAAAAAAAAAAAAJ/f38AAAAAA8zMzADAwP8Af39/AAAAAAAAAAAAAAAAAAAAAAAAAAAAIQAAABgAAAAUAAAAoRkAABsnAABfMQAAWSkAABAAAAAmAAAACAAAAAAAAAAAAAAAMAAAABQAAAAAAAAAAAD//wAAAQAAAP//AAABAA=="/>
+                <pr:smNativeData xmlns:pr="smNativeData" xmlns="smNativeData" val="SMDATA_16_oViJZxMAAAAlAAAAZAAAAA8BAAAAkAAAAEgAAACQAAAASAAAAAAAAAABAAAAAAAAAAEAAABQAAAAAAAAAAAA4D8AAAAAAADgPwAAAAAAAOA/AAAAAAAA4D8AAAAAAADgPwAAAAAAAOA/AAAAAAAA4D8AAAAAAADgPwAAAAAAAOA/AAAAAAAA4D8CAAAAjAAAAAAAAAAAAAAAu+DjDP///wgAAAAAAAAAAAAAAAAAAAAAAAAAAAAAAAAAAAAAZAAAAAEAAABAAAAAAAAAAAAAAAAAAAAAAAAAAAAAAAAAAAAAAAAAAAAAAAAAAAAAAAAAAAAAAAAAAAAAAAAAAAAAAAAAAAAAAAAAAAAAAAAAAAAAAAAAAAAAAAAAAAAAFAAAADwAAAAAAAAAAAAAAAAAAAkUAAAAAQAAABQAAAAUAAAAFAAAAAEAAAAAAAAAZAAAAGQAAAAAAAAAZAAAAGQAAAAVAAAAYAAAAAAAAAAAAAAADwAAACADAAAAAAAAAAAAAAEAAACgMgAAVgcAAKr4//8BAAAAf39/AAEAAABkAAAAAAAAABQAAABAHwAAAAAAACYAAAAAAAAAwOD//wAAAAAmAAAAZAAAABYAAABMAAAAAAAAAAAAAAAEAAAAAAAAAAEAAACAgIAKAAAAACgAAAAoAAAAZAAAAGQAAAAAAAAAzMzMAAAAAABQAAAAUAAAAGQAAABkAAAAAAAAABcAAAAUAAAAAAAAAAAAAAD/fwAA/38AAAAAAAAJAAAABAAAAGE6c3AeAAAAaAAAAAAAAAAAAAAAAAAAAAAAAAAAAAAAECcAABAnAAAAAAAAAAAAAAAAAAAAAAAAAAAAAAAAAAAAAAAAAAAAABQAAAAAAAAAwMD/AAAAAABkAAAAMgAAAAAAAABkAAAAAAAAAH9/fwAKAAAAIgAAABgAAAAAAAAAAAAAAAAAAAAAAAAAAAAAAAAAAAAkAAAAJAAAAAAAAAAHAAAAAAAAAAAAAAAAAAAAAAAAAAAAAAAAAAAAf39/ACUAAABYAAAAAAAAAAAAAAAAAAAAAAAAAAAAAAAAAAAAAAAAAAAAAAAAAAAAAAAAAAAAAAA/AAAAAAAAAKCGAQAAAAAAAAAAAAAAAAAMAAAAAQAAAAAAAAAAAAAAAAAAAB8AAABUAAAAAAAABQAAAAEAAAAAAAAAAAAAAAAAAAAAAAAAAAAAAAAAAAAAAAAAAAAAAAJ/f38AAAAAA8zMzADAwP8Af39/AAAAAAAAAAAAAAAAAAAAAAAAAAAAIQAAABgAAAAUAAAAoRkAABsnAABfMQAAWSkAABAAAAAmAAAACAAAAAAAAAAAAAAAMAAAABQAAAAAAAAAAAD//wAAAQAAAP//AAABAA=="/>
               </a:ext>
             </a:extLst>
           </p:cNvSpPr>
@@ -572,7 +572,7 @@
             <a:spLocks noGrp="1" noChangeArrowheads="1"/>
             <a:extLst>
               <a:ext uri="smNativeData">
-                <pr:smNativeData xmlns:pr="smNativeData" xmlns="smNativeData" val="SMDATA_16_jeCHZxMAAAAlAAAAZAAAAA8BAAAAkAAAAEgAAACQAAAASAAAAAAAAAABAAAAAAAAAAEAAABQAAAAAAAAAAAA4D8AAAAAAADgPwAAAAAAAOA/AAAAAAAA4D8AAAAAAADgPwAAAAAAAOA/AAAAAAAA4D8AAAAAAADgPwAAAAAAAOA/AAAAAAAA4D8CAAAAjAAAAAAAAAAAAAAAu+DjDP///wgAAAAAAAAAAAAAAAAAAAAAAAAAAAAAAAAAAAAAZAAAAAEAAABAAAAAAAAAAAAAAAAAAAAAAAAAAAAAAAAAAAAAAAAAAAAAAAAAAAAAAAAAAAAAAAAAAAAAAAAAAAAAAAAAAAAAAAAAAAAAAAAAAAAAAAAAAAAAAAAAAAAAFAAAADwAAAAAAAAAAAAAAAAAAAkUAAAAAQAAABQAAAAUAAAAFAAAAAEAAAAAAAAAZAAAAGQAAAAAAAAAZAAAAGQAAAAVAAAAYAAAAAAAAAAAAAAADwAAACADAAAAAAAAAAAAAAEAAACgMgAAVgcAAKr4//8BAAAAf39/AAEAAABkAAAAAAAAABQAAABAHwAAAAAAACYAAAAAAAAAwOD//wAAAAAmAAAAZAAAABYAAABMAAAAAAAAAAAAAAAEAAAAAAAAAAEAAACAgIAKAAAAACgAAAAoAAAAZAAAAGQAAAAAAAAAzMzMAAAAAABQAAAAUAAAAGQAAABkAAAAAAAAABcAAAAUAAAAAAAAAAAAAAD/fwAA/38AAAAAAAAJAAAABAAAAAAAAAAeAAAAaAAAAAAAAAAAAAAAAAAAAAAAAAAAAAAAECcAABAnAAAAAAAAAAAAAAAAAAAAAAAAAAAAAAAAAAAAAAAAAAAAABQAAAAAAAAAwMD/AAAAAABkAAAAMgAAAAAAAABkAAAAAAAAAH9/fwAKAAAAIgAAABgAAAAAAAAAAAAAAAAAAAAAAAAAAAAAAAAAAAAkAAAAJAAAAAAAAAAHAAAAAAAAAAAAAAAAAAAAAAAAAAAAAAAAAAAAf39/ACUAAABYAAAAAAAAAAAAAAAAAAAAAAAAAAAAAAAAAAAAAAAAAAAAAAAAAAAAAAAAAAAAAAA/AAAAAAAAAKCGAQAAAAAAAAAAAAAAAAAMAAAAAQAAAAAAAAAAAAAAAAAAAB8AAABUAAAAAAAABQAAAAEAAAAAAAAAAAAAAAAAAAAAAAAAAAAAAAAAAAAAAAAAAAAAAAJ/f38AAAAAA8zMzADAwP8Af39/AAAAAAAAAAAAAAAAAAAAAAAAAAAAIQAAABgAAAAUAAAAwTUAABsnAABARwAAWSkAABAAAAAmAAAACAAAAAAAAAAAAAAAMAAAABQAAAAAAAAAAAD//wAAAQAAAP//AAABAA=="/>
+                <pr:smNativeData xmlns:pr="smNativeData" xmlns="smNativeData" val="SMDATA_16_oViJZxMAAAAlAAAAZAAAAA8BAAAAkAAAAEgAAACQAAAASAAAAAAAAAABAAAAAAAAAAEAAABQAAAAAAAAAAAA4D8AAAAAAADgPwAAAAAAAOA/AAAAAAAA4D8AAAAAAADgPwAAAAAAAOA/AAAAAAAA4D8AAAAAAADgPwAAAAAAAOA/AAAAAAAA4D8CAAAAjAAAAAAAAAAAAAAAu+DjDP///wgAAAAAAAAAAAAAAAAAAAAAAAAAAAAAAAAAAAAAZAAAAAEAAABAAAAAAAAAAAAAAAAAAAAAAAAAAAAAAAAAAAAAAAAAAAAAAAAAAAAAAAAAAAAAAAAAAAAAAAAAAAAAAAAAAAAAAAAAAAAAAAAAAAAAAAAAAAAAAAAAAAAAFAAAADwAAAAAAAAAAAAAAAAAAAkUAAAAAQAAABQAAAAUAAAAFAAAAAEAAAAAAAAAZAAAAGQAAAAAAAAAZAAAAGQAAAAVAAAAYAAAAAAAAAAAAAAADwAAACADAAAAAAAAAAAAAAEAAACgMgAAVgcAAKr4//8BAAAAf39/AAEAAABkAAAAAAAAABQAAABAHwAAAAAAACYAAAAAAAAAwOD//wAAAAAmAAAAZAAAABYAAABMAAAAAAAAAAAAAAAEAAAAAAAAAAEAAACAgIAKAAAAACgAAAAoAAAAZAAAAGQAAAAAAAAAzMzMAAAAAABQAAAAUAAAAGQAAABkAAAAAAAAABcAAAAUAAAAAAAAAAAAAAD/fwAA/38AAAAAAAAJAAAABAAAAAAAAAAeAAAAaAAAAAAAAAAAAAAAAAAAAAAAAAAAAAAAECcAABAnAAAAAAAAAAAAAAAAAAAAAAAAAAAAAAAAAAAAAAAAAAAAABQAAAAAAAAAwMD/AAAAAABkAAAAMgAAAAAAAABkAAAAAAAAAH9/fwAKAAAAIgAAABgAAAAAAAAAAAAAAAAAAAAAAAAAAAAAAAAAAAAkAAAAJAAAAAAAAAAHAAAAAAAAAAAAAAAAAAAAAAAAAAAAAAAAAAAAf39/ACUAAABYAAAAAAAAAAAAAAAAAAAAAAAAAAAAAAAAAAAAAAAAAAAAAAAAAAAAAAAAAAAAAAA/AAAAAAAAAKCGAQAAAAAAAAAAAAAAAAAMAAAAAQAAAAAAAAAAAAAAAAAAAB8AAABUAAAAAAAABQAAAAEAAAAAAAAAAAAAAAAAAAAAAAAAAAAAAAAAAAAAAAAAAAAAAAJ/f38AAAAAA8zMzADAwP8Af39/AAAAAAAAAAAAAAAAAAAAAAAAAAAAIQAAABgAAAAUAAAAwTUAABsnAABARwAAWSkAABAAAAAmAAAACAAAAAAAAAAAAAAAMAAAABQAAAAAAAAAAAD//wAAAQAAAP//AAABAA=="/>
               </a:ext>
             </a:extLst>
           </p:cNvSpPr>
@@ -586,7 +586,7 @@
           <a:lstStyle/>
           <a:p>
             <a:pPr/>
-            <a:fld id="{3D25D0C3-8DD0-7026-9E9D-7B739ED3682E}" type="slidenum">
+            <a:fld id="{3D8E3897-D9D0-DBCE-9E36-2F9B7678687A}" type="slidenum">
               <a:t/>
             </a:fld>
           </a:p>
@@ -625,7 +625,7 @@
             <a:spLocks noGrp="1" noChangeArrowheads="1"/>
             <a:extLst>
               <a:ext uri="smNativeData">
-                <pr:smNativeData xmlns:pr="smNativeData" xmlns="smNativeData" val="SMDATA_16_jeCHZxMAAAAlAAAAZAAAAA8BAAAAkAAAAEgAAACQAAAASAAAAAAAAAACAAAAAQAAAAEAAABQAAAAAAAAAAAA4D8AAAAAAADgPwAAAAAAAOA/AAAAAAAA4D8AAAAAAADgPwAAAAAAAOA/AAAAAAAA4D8AAAAAAADgPwAAAAAAAOA/AAAAAAAA4D8CAAAAjAAAAAAAAAAAAAAAu+DjDP///wgAAAAAAAAAAAAAAAAAAAAAAAAAAAAAAAAAAAAAZAAAAAEAAABAAAAAAAAAAAAAAAAAAAAAAAAAAAAAAAAAAAAAAAAAAAAAAAAAAAAAAAAAAAAAAAAAAAAAAAAAAAAAAAAAAAAAAAAAAAAAAAAAAAAAAAAAAAAAAAAAAAAAFAAAADwAAAAAAAAAAAAAAAAAAAkUAAAAAQAAABQAAAAUAAAAFAAAAAEAAAAAAAAAZAAAAGQAAAAAAAAAZAAAAGQAAAAVAAAAYAAAAAAAAAAAAAAADwAAACADAAAAAAAAAAAAAAEAAACgMgAAVgcAAKr4//8BAAAAf39/AAEAAABkAAAAAAAAABQAAABAHwAAAAAAACYAAAAAAAAAwOD//wAAAAAmAAAAZAAAABYAAABMAAAAAAAAAAAAAAAEAAAAAAAAAAEAAACAgIAKAAAAACgAAAAoAAAAZAAAAGQAAAAAAAAAzMzMAAAAAABQAAAAUAAAAGQAAABkAAAAAAAAABcAAAAUAAAAAAAAAAAAAAD/fwAA/38AAAAAAAAJAAAABAAAAAAAAAAeAAAAaAAAAAAAAAAAAAAAAAAAAAAAAAAAAAAAECcAABAnAAAAAAAAAAAAAAAAAAAAAAAAAAAAAAAAAAAAAAAAAAAAABQAAAAAAAAAwMD/AAAAAABkAAAAMgAAAAAAAABkAAAAAAAAAH9/fwAKAAAAIgAAABgAAAAAAAAAAAAAAAAAAAAAAAAAAAAAAAAAAAAkAAAAJAAAAAAAAAAHAAAAAAAAAAAAAAAAAAAAAAAAAAAAAAAAAAAAf39/ACUAAABYAAAAAAAAAAAAAAAAAAAAAAAAAAAAAAAAAAAAAAAAAAAAAAAAAAAAAAAAAAAAAAA/AAAAAAAAAKCGAQAAAAAAAAAAAAAAAAAMAAAAAQAAAAAAAAAAAAAAAAAAAB8AAABUAAAAAAAABQAAAAEAAAAAAAAAAAAAAAAAAAAAAAAAAAAAAAAAAAAAAAAAAAAAAAJ/f38AAAAAA8zMzADAwP8Af39/AAAAAAAAAAAAAAAAAAAAAAAAAAAAIQAAABgAAAAUAAAAYDYAALABAABARwAAsCUAABAAAAAmAAAACAAAAIMAAAAAAAAAMAAAABQAAAAAAAAAAAD//wAAAQAAAP//AAABAA=="/>
+                <pr:smNativeData xmlns:pr="smNativeData" xmlns="smNativeData" val="SMDATA_16_oViJZxMAAAAlAAAAZAAAAA8BAAAAkAAAAEgAAACQAAAASAAAAAAAAAACAAAAAQAAAAEAAABQAAAAAAAAAAAA4D8AAAAAAADgPwAAAAAAAOA/AAAAAAAA4D8AAAAAAADgPwAAAAAAAOA/AAAAAAAA4D8AAAAAAADgPwAAAAAAAOA/AAAAAAAA4D8CAAAAjAAAAAAAAAAAAAAAu+DjDP///wgAAAAAAAAAAAAAAAAAAAAAAAAAAAAAAAAAAAAAZAAAAAEAAABAAAAAAAAAAAAAAAAAAAAAAAAAAAAAAAAAAAAAAAAAAAAAAAAAAAAAAAAAAAAAAAAAAAAAAAAAAAAAAAAAAAAAAAAAAAAAAAAAAAAAAAAAAAAAAAAAAAAAFAAAADwAAAAAAAAAAAAAAAAAAAkUAAAAAQAAABQAAAAUAAAAFAAAAAEAAAAAAAAAZAAAAGQAAAAAAAAAZAAAAGQAAAAVAAAAYAAAAAAAAAAAAAAADwAAACADAAAAAAAAAAAAAAEAAACgMgAAVgcAAKr4//8BAAAAf39/AAEAAABkAAAAAAAAABQAAABAHwAAAAAAACYAAAAAAAAAwOD//wAAAAAmAAAAZAAAABYAAABMAAAAAAAAAAAAAAAEAAAAAAAAAAEAAACAgIAKAAAAACgAAAAoAAAAZAAAAGQAAAAAAAAAzMzMAAAAAABQAAAAUAAAAGQAAABkAAAAAAAAABcAAAAUAAAAAAAAAAAAAAD/fwAA/38AAAAAAAAJAAAABAAAAAAAAAAeAAAAaAAAAAAAAAAAAAAAAAAAAAAAAAAAAAAAECcAABAnAAAAAAAAAAAAAAAAAAAAAAAAAAAAAAAAAAAAAAAAAAAAABQAAAAAAAAAwMD/AAAAAABkAAAAMgAAAAAAAABkAAAAAAAAAH9/fwAKAAAAIgAAABgAAAAAAAAAAAAAAAAAAAAAAAAAAAAAAAAAAAAkAAAAJAAAAAAAAAAHAAAAAAAAAAAAAAAAAAAAAAAAAAAAAAAAAAAAf39/ACUAAABYAAAAAAAAAAAAAAAAAAAAAAAAAAAAAAAAAAAAAAAAAAAAAAAAAAAAAAAAAAAAAAA/AAAAAAAAAKCGAQAAAAAAAAAAAAAAAAAMAAAAAQAAAAAAAAAAAAAAAAAAAB8AAABUAAAAAAAABQAAAAEAAAAAAAAAAAAAAAAAAAAAAAAAAAAAAAAAAAAAAAAAAAAAAAJ/f38AAAAAA8zMzADAwP8Af39/AAAAAAAAAAAAAAAAAAAAAAAAAAAAIQAAABgAAAAUAAAAYDYAALABAABARwAAsCUAABAAAAAmAAAACAAAAIMAAAAAAAAAMAAAABQAAAAAAAAAAAD//wAAAQAAAP//AAABAA=="/>
               </a:ext>
             </a:extLst>
           </p:cNvSpPr>
@@ -661,7 +661,7 @@
             <a:spLocks noGrp="1" noChangeArrowheads="1"/>
             <a:extLst>
               <a:ext uri="smNativeData">
-                <pr:smNativeData xmlns:pr="smNativeData" xmlns="smNativeData" val="SMDATA_16_jeCHZxMAAAAlAAAAZAAAAA8BAAAAkAAAAEgAAACQAAAASAAAAAAAAAAAAAAAAQAAAAEAAABQAAAAAAAAAAAA4D8AAAAAAADgPwAAAAAAAOA/AAAAAAAA4D8AAAAAAADgPwAAAAAAAOA/AAAAAAAA4D8AAAAAAADgPwAAAAAAAOA/AAAAAAAA4D8CAAAAjAAAAAAAAAAAAAAAu+DjDP///wgAAAAAAAAAAAAAAAAAAAAAAAAAAAAAAAAAAAAAZAAAAAEAAABAAAAAAAAAAAAAAAAAAAAAAAAAAAAAAAAAAAAAAAAAAAAAAAAAAAAAAAAAAAAAAAAAAAAAAAAAAAAAAAAAAAAAAAAAAAAAAAAAAAAAAAAAAAAAAAAAAAAAFAAAADwAAAAAAAAAAAAAAAAAAAkUAAAAAQAAABQAAAAUAAAAFAAAAAEAAAAAAAAAZAAAAGQAAAAAAAAAZAAAAGQAAAAVAAAAYAAAAAAAAAAAAAAADwAAACADAAAAAAAAAAAAAAEAAACgMgAAVgcAAKr4//8BAAAAf39/AAEAAABkAAAAAAAAABQAAABAHwAAAAAAACYAAAAAAAAAwOD//wAAAAAmAAAAZAAAABYAAABMAAAAAAAAAAAAAAAEAAAAAAAAAAEAAACAgIAKAAAAACgAAAAoAAAAZAAAAGQAAAAAAAAAzMzMAAAAAABQAAAAUAAAAGQAAABkAAAAAAAAABcAAAAUAAAAAAAAAAAAAAD/fwAA/38AAAAAAAAJAAAABAAAAAAAAAAeAAAAaAAAAAAAAAAAAAAAAAAAAAAAAAAAAAAAECcAABAnAAAAAAAAAAAAAAAAAAAAAAAAAAAAAAAAAAAAAAAAAAAAABQAAAAAAAAAwMD/AAAAAABkAAAAMgAAAAAAAABkAAAAAAAAAH9/fwAKAAAAIgAAABgAAAAAAAAAAAAAAAAAAAAAAAAAAAAAAAAAAAAkAAAAJAAAAAAAAAAHAAAAAAAAAAAAAAAAAAAAAAAAAAAAAAAAAAAAf39/ACUAAABYAAAAAAAAAAAAAAAAAAAAAAAAAAAAAAAAAAAAAAAAAAAAAAAAAAAAAAAAAAAAAAA/AAAAAAAAAKCGAQAAAAAAAAAAAAAAAAAMAAAAAQAAAAAAAAAAAAAAAAAAAB8AAABUAAAAAAAABQAAAAEAAAAAAAAAAAAAAAAAAAAAAAAAAAAAAAAAAAAAAAAAAAAAAAJ/f38AAAAAA8zMzADAwP8Af39/AAAAAAAAAAAAAAAAAAAAAAAAAAAAIQAAABgAAAAUAAAAwAMAALABAAAfNQAAsCUAABAAAAAmAAAACAAAAAMAAAAAAAAAMAAAABQAAAAAAAAAAAD//wAAAQAAAP//AAABAA=="/>
+                <pr:smNativeData xmlns:pr="smNativeData" xmlns="smNativeData" val="SMDATA_16_oViJZxMAAAAlAAAAZAAAAA8BAAAAkAAAAEgAAACQAAAASAAAAAAAAAAAAAAAAQAAAAEAAABQAAAAAAAAAAAA4D8AAAAAAADgPwAAAAAAAOA/AAAAAAAA4D8AAAAAAADgPwAAAAAAAOA/AAAAAAAA4D8AAAAAAADgPwAAAAAAAOA/AAAAAAAA4D8CAAAAjAAAAAAAAAAAAAAAu+DjDP///wgAAAAAAAAAAAAAAAAAAAAAAAAAAAAAAAAAAAAAZAAAAAEAAABAAAAAAAAAAAAAAAAAAAAAAAAAAAAAAAAAAAAAAAAAAAAAAAAAAAAAAAAAAAAAAAAAAAAAAAAAAAAAAAAAAAAAAAAAAAAAAAAAAAAAAAAAAAAAAAAAAAAAFAAAADwAAAAAAAAAAAAAAAAAAAkUAAAAAQAAABQAAAAUAAAAFAAAAAEAAAAAAAAAZAAAAGQAAAAAAAAAZAAAAGQAAAAVAAAAYAAAAAAAAAAAAAAADwAAACADAAAAAAAAAAAAAAEAAACgMgAAVgcAAKr4//8BAAAAf39/AAEAAABkAAAAAAAAABQAAABAHwAAAAAAACYAAAAAAAAAwOD//wAAAAAmAAAAZAAAABYAAABMAAAAAAAAAAAAAAAEAAAAAAAAAAEAAACAgIAKAAAAACgAAAAoAAAAZAAAAGQAAAAAAAAAzMzMAAAAAABQAAAAUAAAAGQAAABkAAAAAAAAABcAAAAUAAAAAAAAAAAAAAD/fwAA/38AAAAAAAAJAAAABAAAAAAAAAAeAAAAaAAAAAAAAAAAAAAAAAAAAAAAAAAAAAAAECcAABAnAAAAAAAAAAAAAAAAAAAAAAAAAAAAAAAAAAAAAAAAAAAAABQAAAAAAAAAwMD/AAAAAABkAAAAMgAAAAAAAABkAAAAAAAAAH9/fwAKAAAAIgAAABgAAAAAAAAAAAAAAAAAAAAAAAAAAAAAAAAAAAAkAAAAJAAAAAAAAAAHAAAAAAAAAAAAAAAAAAAAAAAAAAAAAAAAAAAAf39/ACUAAABYAAAAAAAAAAAAAAAAAAAAAAAAAAAAAAAAAAAAAAAAAAAAAAAAAAAAAAAAAAAAAAA/AAAAAAAAAKCGAQAAAAAAAAAAAAAAAAAMAAAAAQAAAAAAAAAAAAAAAAAAAB8AAABUAAAAAAAABQAAAAEAAAAAAAAAAAAAAAAAAAAAAAAAAAAAAAAAAAAAAAAAAAAAAAJ/f38AAAAAA8zMzADAwP8Af39/AAAAAAAAAAAAAAAAAAAAAAAAAAAAIQAAABgAAAAUAAAAwAMAALABAAAfNQAAsCUAABAAAAAmAAAACAAAAAMAAAAAAAAAMAAAABQAAAAAAAAAAAD//wAAAQAAAP//AAABAA=="/>
               </a:ext>
             </a:extLst>
           </p:cNvSpPr>
@@ -721,7 +721,7 @@
             <a:spLocks noGrp="1" noChangeArrowheads="1"/>
             <a:extLst>
               <a:ext uri="smNativeData">
-                <pr:smNativeData xmlns:pr="smNativeData" xmlns="smNativeData" val="SMDATA_16_jeCHZxMAAAAlAAAAZAAAAA8BAAAAkAAAAEgAAACQAAAASAAAAAAAAAABAAAAAAAAAAEAAABQAAAAAAAAAAAA4D8AAAAAAADgPwAAAAAAAOA/AAAAAAAA4D8AAAAAAADgPwAAAAAAAOA/AAAAAAAA4D8AAAAAAADgPwAAAAAAAOA/AAAAAAAA4D8CAAAAjAAAAAAAAAAAAAAAu+DjDP///wgAAAAAAAAAAAAAAAAAAAAAAAAAAAAAAAAAAAAAZAAAAAEAAABAAAAAAAAAAAAAAAAAAAAAAAAAAAAAAAAAAAAAAAAAAAAAAAAAAAAAAAAAAAAAAAAAAAAAAAAAAAAAAAAAAAAAAAAAAAAAAAAAAAAAAAAAAAAAAAAAAAAAFAAAADwAAAAAAAAAAAAAAAAAAAkUAAAAAQAAABQAAAAUAAAAFAAAAAEAAAAAAAAAZAAAAGQAAAAAAAAAZAAAAGQAAAAVAAAAYAAAAAAAAAAAAAAADwAAACADAAAAAAAAAAAAAAEAAACgMgAAVgcAAKr4//8BAAAAf39/AAEAAABkAAAAAAAAABQAAABAHwAAAAAAACYAAAAAAAAAwOD//wAAAAAmAAAAZAAAABYAAABMAAAAAAAAAAAAAAAEAAAAAAAAAAEAAACAgIAKAAAAACgAAAAoAAAAZAAAAGQAAAAAAAAAzMzMAAAAAABQAAAAUAAAAGQAAABkAAAAAAAAABcAAAAUAAAAAAAAAAAAAAD/fwAA/38AAAAAAAAJAAAABAAAAAAAAAAeAAAAaAAAAAAAAAAAAAAAAAAAAAAAAAAAAAAAECcAABAnAAAAAAAAAAAAAAAAAAAAAAAAAAAAAAAAAAAAAAAAAAAAABQAAAAAAAAAwMD/AAAAAABkAAAAMgAAAAAAAABkAAAAAAAAAH9/fwAKAAAAIgAAABgAAAAAAAAAAAAAAAAAAAAAAAAAAAAAAAAAAAAkAAAAJAAAAAAAAAAHAAAAAAAAAAAAAAAAAAAAAAAAAAAAAAAAAAAAf39/ACUAAABYAAAAAAAAAAAAAAAAAAAAAAAAAAAAAAAAAAAAAAAAAAAAAAAAAAAAAAAAAAAAAAA/AAAAAAAAAKCGAQAAAAAAAAAAAAAAAAAMAAAAAQAAAAAAAAAAAAAAAAAAAB8AAABUAAAAAAAABQAAAAEAAAAAAAAAAAAAAAAAAAAAAAAAAAAAAAAAAAAAAAAAAAAAAAJ/f38AAAAAA8zMzADAwP8Af39/AAAAAAAAAAAAAAAAAAAAAAAAAAAAIQAAABgAAAAUAAAAwAMAABsnAAA/FQAAWSkAABAAAAAmAAAACAAAAAAAAAAAAAAAMAAAABQAAAAAAAAAAAD//wAAAQAAAP//AAABAA=="/>
+                <pr:smNativeData xmlns:pr="smNativeData" xmlns="smNativeData" val="SMDATA_16_oViJZxMAAAAlAAAAZAAAAA8BAAAAkAAAAEgAAACQAAAASAAAAAAAAAABAAAAAAAAAAEAAABQAAAAAAAAAAAA4D8AAAAAAADgPwAAAAAAAOA/AAAAAAAA4D8AAAAAAADgPwAAAAAAAOA/AAAAAAAA4D8AAAAAAADgPwAAAAAAAOA/AAAAAAAA4D8CAAAAjAAAAAAAAAAAAAAAu+DjDP///wgAAAAAAAAAAAAAAAAAAAAAAAAAAAAAAAAAAAAAZAAAAAEAAABAAAAAAAAAAAAAAAAAAAAAAAAAAAAAAAAAAAAAAAAAAAAAAAAAAAAAAAAAAAAAAAAAAAAAAAAAAAAAAAAAAAAAAAAAAAAAAAAAAAAAAAAAAAAAAAAAAAAAFAAAADwAAAAAAAAAAAAAAAAAAAkUAAAAAQAAABQAAAAUAAAAFAAAAAEAAAAAAAAAZAAAAGQAAAAAAAAAZAAAAGQAAAAVAAAAYAAAAAAAAAAAAAAADwAAACADAAAAAAAAAAAAAAEAAACgMgAAVgcAAKr4//8BAAAAf39/AAEAAABkAAAAAAAAABQAAABAHwAAAAAAACYAAAAAAAAAwOD//wAAAAAmAAAAZAAAABYAAABMAAAAAAAAAAAAAAAEAAAAAAAAAAEAAACAgIAKAAAAACgAAAAoAAAAZAAAAGQAAAAAAAAAzMzMAAAAAABQAAAAUAAAAGQAAABkAAAAAAAAABcAAAAUAAAAAAAAAAAAAAD/fwAA/38AAAAAAAAJAAAABAAAAAAAAAAeAAAAaAAAAAAAAAAAAAAAAAAAAAAAAAAAAAAAECcAABAnAAAAAAAAAAAAAAAAAAAAAAAAAAAAAAAAAAAAAAAAAAAAABQAAAAAAAAAwMD/AAAAAABkAAAAMgAAAAAAAABkAAAAAAAAAH9/fwAKAAAAIgAAABgAAAAAAAAAAAAAAAAAAAAAAAAAAAAAAAAAAAAkAAAAJAAAAAAAAAAHAAAAAAAAAAAAAAAAAAAAAAAAAAAAAAAAAAAAf39/ACUAAABYAAAAAAAAAAAAAAAAAAAAAAAAAAAAAAAAAAAAAAAAAAAAAAAAAAAAAAAAAAAAAAA/AAAAAAAAAKCGAQAAAAAAAAAAAAAAAAAMAAAAAQAAAAAAAAAAAAAAAAAAAB8AAABUAAAAAAAABQAAAAEAAAAAAAAAAAAAAAAAAAAAAAAAAAAAAAAAAAAAAAAAAAAAAAJ/f38AAAAAA8zMzADAwP8Af39/AAAAAAAAAAAAAAAAAAAAAAAAAAAAIQAAABgAAAAUAAAAwAMAABsnAAA/FQAAWSkAABAAAAAmAAAACAAAAAAAAAAAAAAAMAAAABQAAAAAAAAAAAD//wAAAQAAAP//AAABAA=="/>
               </a:ext>
             </a:extLst>
           </p:cNvSpPr>
@@ -735,7 +735,7 @@
           <a:lstStyle/>
           <a:p>
             <a:pPr/>
-            <a:fld id="{3D2584BC-F2D0-7072-9E9D-0427CAD36851}" type="datetime1">
+            <a:fld id="{3D8E2B28-66D0-DBDD-9E36-9088657868C5}" type="datetime1">
               <a:t/>
             </a:fld>
           </a:p>
@@ -748,7 +748,7 @@
             <a:spLocks noGrp="1" noChangeArrowheads="1"/>
             <a:extLst>
               <a:ext uri="smNativeData">
-                <pr:smNativeData xmlns:pr="smNativeData" xmlns="smNativeData" val="SMDATA_16_jeCHZxMAAAAlAAAAZAAAAA8BAAAAkAAAAEgAAACQAAAASAAAAAAAAAABAAAAAAAAAAEAAABQAAAAAAAAAAAA4D8AAAAAAADgPwAAAAAAAOA/AAAAAAAA4D8AAAAAAADgPwAAAAAAAOA/AAAAAAAA4D8AAAAAAADgPwAAAAAAAOA/AAAAAAAA4D8CAAAAjAAAAAAAAAAAAAAAu+DjDP///wgAAAAAAAAAAAAAAAAAAAAAAAAAAAAAAAAAAAAAZAAAAAEAAABAAAAAAAAAAAAAAAAAAAAAAAAAAAAAAAAAAAAAAAAAAAAAAAAAAAAAAAAAAAAAAAAAAAAAAAAAAAAAAAAAAAAAAAAAAAAAAAAAAAAAAAAAAAAAAAAAAAAAFAAAADwAAAAAAAAAAAAAAAAAAAkUAAAAAQAAABQAAAAUAAAAFAAAAAEAAAAAAAAAZAAAAGQAAAAAAAAAZAAAAGQAAAAVAAAAYAAAAAAAAAAAAAAADwAAACADAAAAAAAAAAAAAAEAAACgMgAAVgcAAKr4//8BAAAAf39/AAEAAABkAAAAAAAAABQAAABAHwAAAAAAACYAAAAAAAAAwOD//wAAAAAmAAAAZAAAABYAAABMAAAAAAAAAAAAAAAEAAAAAAAAAAEAAACAgIAKAAAAACgAAAAoAAAAZAAAAGQAAAAAAAAAzMzMAAAAAABQAAAAUAAAAGQAAABkAAAAAAAAABcAAAAUAAAAAAAAAAAAAAD/fwAA/38AAAAAAAAJAAAABAAAAAAAAAAeAAAAaAAAAAAAAAAAAAAAAAAAAAAAAAAAAAAAECcAABAnAAAAAAAAAAAAAAAAAAAAAAAAAAAAAAAAAAAAAAAAAAAAABQAAAAAAAAAwMD/AAAAAABkAAAAMgAAAAAAAABkAAAAAAAAAH9/fwAKAAAAIgAAABgAAAAAAAAAAAAAAAAAAAAAAAAAAAAAAAAAAAAkAAAAJAAAAAAAAAAHAAAAAAAAAAAAAAAAAAAAAAAAAAAAAAAAAAAAf39/ACUAAABYAAAAAAAAAAAAAAAAAAAAAAAAAAAAAAAAAAAAAAAAAAAAAAAAAAAAAAAAAAAAAAA/AAAAAAAAAKCGAQAAAAAAAAAAAAAAAAAMAAAAAQAAAAAAAAAAAAAAAAAAAB8AAABUAAAAAAAABQAAAAEAAAAAAAAAAAAAAAAAAAAAAAAAAAAAAAAAAAAAAAAAAAAAAAJ/f38AAAAAA8zMzADAwP8Af39/AAAAAAAAAAAAAAAAAAAAAAAAAAAAIQAAABgAAAAUAAAAoRkAABsnAABfMQAAWSkAABAAAAAmAAAACAAAAAAAAAAAAAAAMAAAABQAAAAAAAAAAAD//wAAAQAAAP//AAABAA=="/>
+                <pr:smNativeData xmlns:pr="smNativeData" xmlns="smNativeData" val="SMDATA_16_oViJZxMAAAAlAAAAZAAAAA8BAAAAkAAAAEgAAACQAAAASAAAAAAAAAABAAAAAAAAAAEAAABQAAAAAAAAAAAA4D8AAAAAAADgPwAAAAAAAOA/AAAAAAAA4D8AAAAAAADgPwAAAAAAAOA/AAAAAAAA4D8AAAAAAADgPwAAAAAAAOA/AAAAAAAA4D8CAAAAjAAAAAAAAAAAAAAAu+DjDP///wgAAAAAAAAAAAAAAAAAAAAAAAAAAAAAAAAAAAAAZAAAAAEAAABAAAAAAAAAAAAAAAAAAAAAAAAAAAAAAAAAAAAAAAAAAAAAAAAAAAAAAAAAAAAAAAAAAAAAAAAAAAAAAAAAAAAAAAAAAAAAAAAAAAAAAAAAAAAAAAAAAAAAFAAAADwAAAAAAAAAAAAAAAAAAAkUAAAAAQAAABQAAAAUAAAAFAAAAAEAAAAAAAAAZAAAAGQAAAAAAAAAZAAAAGQAAAAVAAAAYAAAAAAAAAAAAAAADwAAACADAAAAAAAAAAAAAAEAAACgMgAAVgcAAKr4//8BAAAAf39/AAEAAABkAAAAAAAAABQAAABAHwAAAAAAACYAAAAAAAAAwOD//wAAAAAmAAAAZAAAABYAAABMAAAAAAAAAAAAAAAEAAAAAAAAAAEAAACAgIAKAAAAACgAAAAoAAAAZAAAAGQAAAAAAAAAzMzMAAAAAABQAAAAUAAAAGQAAABkAAAAAAAAABcAAAAUAAAAAAAAAAAAAAD/fwAA/38AAAAAAAAJAAAABAAAAAAAAAAeAAAAaAAAAAAAAAAAAAAAAAAAAAAAAAAAAAAAECcAABAnAAAAAAAAAAAAAAAAAAAAAAAAAAAAAAAAAAAAAAAAAAAAABQAAAAAAAAAwMD/AAAAAABkAAAAMgAAAAAAAABkAAAAAAAAAH9/fwAKAAAAIgAAABgAAAAAAAAAAAAAAAAAAAAAAAAAAAAAAAAAAAAkAAAAJAAAAAAAAAAHAAAAAAAAAAAAAAAAAAAAAAAAAAAAAAAAAAAAf39/ACUAAABYAAAAAAAAAAAAAAAAAAAAAAAAAAAAAAAAAAAAAAAAAAAAAAAAAAAAAAAAAAAAAAA/AAAAAAAAAKCGAQAAAAAAAAAAAAAAAAAMAAAAAQAAAAAAAAAAAAAAAAAAAB8AAABUAAAAAAAABQAAAAEAAAAAAAAAAAAAAAAAAAAAAAAAAAAAAAAAAAAAAAAAAAAAAAJ/f38AAAAAA8zMzADAwP8Af39/AAAAAAAAAAAAAAAAAAAAAAAAAAAAIQAAABgAAAAUAAAAoRkAABsnAABfMQAAWSkAABAAAAAmAAAACAAAAAAAAAAAAAAAMAAAABQAAAAAAAAAAAD//wAAAQAAAP//AAABAA=="/>
               </a:ext>
             </a:extLst>
           </p:cNvSpPr>
@@ -772,7 +772,7 @@
             <a:spLocks noGrp="1" noChangeArrowheads="1"/>
             <a:extLst>
               <a:ext uri="smNativeData">
-                <pr:smNativeData xmlns:pr="smNativeData" xmlns="smNativeData" val="SMDATA_16_jeCHZxMAAAAlAAAAZAAAAA8BAAAAkAAAAEgAAACQAAAASAAAAAAAAAABAAAAAAAAAAEAAABQAAAAAAAAAAAA4D8AAAAAAADgPwAAAAAAAOA/AAAAAAAA4D8AAAAAAADgPwAAAAAAAOA/AAAAAAAA4D8AAAAAAADgPwAAAAAAAOA/AAAAAAAA4D8CAAAAjAAAAAAAAAAAAAAAu+DjDP///wgAAAAAAAAAAAAAAAAAAAAAAAAAAAAAAAAAAAAAZAAAAAEAAABAAAAAAAAAAAAAAAAAAAAAAAAAAAAAAAAAAAAAAAAAAAAAAAAAAAAAAAAAAAAAAAAAAAAAAAAAAAAAAAAAAAAAAAAAAAAAAAAAAAAAAAAAAAAAAAAAAAAAFAAAADwAAAAAAAAAAAAAAAAAAAkUAAAAAQAAABQAAAAUAAAAFAAAAAEAAAAAAAAAZAAAAGQAAAAAAAAAZAAAAGQAAAAVAAAAYAAAAAAAAAAAAAAADwAAACADAAAAAAAAAAAAAAEAAACgMgAAVgcAAKr4//8BAAAAf39/AAEAAABkAAAAAAAAABQAAABAHwAAAAAAACYAAAAAAAAAwOD//wAAAAAmAAAAZAAAABYAAABMAAAAAAAAAAAAAAAEAAAAAAAAAAEAAACAgIAKAAAAACgAAAAoAAAAZAAAAGQAAAAAAAAAzMzMAAAAAABQAAAAUAAAAGQAAABkAAAAAAAAABcAAAAUAAAAAAAAAAAAAAD/fwAA/38AAAAAAAAJAAAABAAAAAAAAAAeAAAAaAAAAAAAAAAAAAAAAAAAAAAAAAAAAAAAECcAABAnAAAAAAAAAAAAAAAAAAAAAAAAAAAAAAAAAAAAAAAAAAAAABQAAAAAAAAAwMD/AAAAAABkAAAAMgAAAAAAAABkAAAAAAAAAH9/fwAKAAAAIgAAABgAAAAAAAAAAAAAAAAAAAAAAAAAAAAAAAAAAAAkAAAAJAAAAAAAAAAHAAAAAAAAAAAAAAAAAAAAAAAAAAAAAAAAAAAAf39/ACUAAABYAAAAAAAAAAAAAAAAAAAAAAAAAAAAAAAAAAAAAAAAAAAAAAAAAAAAAAAAAAAAAAA/AAAAAAAAAKCGAQAAAAAAAAAAAAAAAAAMAAAAAQAAAAAAAAAAAAAAAAAAAB8AAABUAAAAAAAABQAAAAEAAAAAAAAAAAAAAAAAAAAAAAAAAAAAAAAAAAAAAAAAAAAAAAJ/f38AAAAAA8zMzADAwP8Af39/AAAAAAAAAAAAAAAAAAAAAAAAAAAAIQAAABgAAAAUAAAAwTUAABsnAABARwAAWSkAABAAAAAmAAAACAAAAAAAAAAAAAAAMAAAABQAAAAAAAAAAAD//wAAAQAAAP//AAABAA=="/>
+                <pr:smNativeData xmlns:pr="smNativeData" xmlns="smNativeData" val="SMDATA_16_oViJZxMAAAAlAAAAZAAAAA8BAAAAkAAAAEgAAACQAAAASAAAAAAAAAABAAAAAAAAAAEAAABQAAAAAAAAAAAA4D8AAAAAAADgPwAAAAAAAOA/AAAAAAAA4D8AAAAAAADgPwAAAAAAAOA/AAAAAAAA4D8AAAAAAADgPwAAAAAAAOA/AAAAAAAA4D8CAAAAjAAAAAAAAAAAAAAAu+DjDP///wgAAAAAAAAAAAAAAAAAAAAAAAAAAAAAAAAAAAAAZAAAAAEAAABAAAAAAAAAAAAAAAAAAAAAAAAAAAAAAAAAAAAAAAAAAAAAAAAAAAAAAAAAAAAAAAAAAAAAAAAAAAAAAAAAAAAAAAAAAAAAAAAAAAAAAAAAAAAAAAAAAAAAFAAAADwAAAAAAAAAAAAAAAAAAAkUAAAAAQAAABQAAAAUAAAAFAAAAAEAAAAAAAAAZAAAAGQAAAAAAAAAZAAAAGQAAAAVAAAAYAAAAAAAAAAAAAAADwAAACADAAAAAAAAAAAAAAEAAACgMgAAVgcAAKr4//8BAAAAf39/AAEAAABkAAAAAAAAABQAAABAHwAAAAAAACYAAAAAAAAAwOD//wAAAAAmAAAAZAAAABYAAABMAAAAAAAAAAAAAAAEAAAAAAAAAAEAAACAgIAKAAAAACgAAAAoAAAAZAAAAGQAAAAAAAAAzMzMAAAAAABQAAAAUAAAAGQAAABkAAAAAAAAABcAAAAUAAAAAAAAAAAAAAD/fwAA/38AAAAAAAAJAAAABAAAAAAAAAAeAAAAaAAAAAAAAAAAAAAAAAAAAAAAAAAAAAAAECcAABAnAAAAAAAAAAAAAAAAAAAAAAAAAAAAAAAAAAAAAAAAAAAAABQAAAAAAAAAwMD/AAAAAABkAAAAMgAAAAAAAABkAAAAAAAAAH9/fwAKAAAAIgAAABgAAAAAAAAAAAAAAAAAAAAAAAAAAAAAAAAAAAAkAAAAJAAAAAAAAAAHAAAAAAAAAAAAAAAAAAAAAAAAAAAAAAAAAAAAf39/ACUAAABYAAAAAAAAAAAAAAAAAAAAAAAAAAAAAAAAAAAAAAAAAAAAAAAAAAAAAAAAAAAAAAA/AAAAAAAAAKCGAQAAAAAAAAAAAAAAAAAMAAAAAQAAAAAAAAAAAAAAAAAAAB8AAABUAAAAAAAABQAAAAEAAAAAAAAAAAAAAAAAAAAAAAAAAAAAAAAAAAAAAAAAAAAAAAJ/f38AAAAAA8zMzADAwP8Af39/AAAAAAAAAAAAAAAAAAAAAAAAAAAAIQAAABgAAAAUAAAAwTUAABsnAABARwAAWSkAABAAAAAmAAAACAAAAAAAAAAAAAAAMAAAABQAAAAAAAAAAAD//wAAAQAAAP//AAABAA=="/>
               </a:ext>
             </a:extLst>
           </p:cNvSpPr>
@@ -786,7 +786,7 @@
           <a:lstStyle/>
           <a:p>
             <a:pPr/>
-            <a:fld id="{3D25F667-29D0-7000-9E9D-DF55B8D3688A}" type="slidenum">
+            <a:fld id="{3D8E2F1E-50D0-DBD9-9E36-A68C617868F3}" type="slidenum">
               <a:t/>
             </a:fld>
           </a:p>
@@ -825,7 +825,7 @@
             <a:spLocks noGrp="1" noChangeArrowheads="1"/>
             <a:extLst>
               <a:ext uri="smNativeData">
-                <pr:smNativeData xmlns:pr="smNativeData" xmlns="smNativeData" val="SMDATA_16_jeCHZxMAAAAlAAAAZAAAAA8BAAAAkAAAAEgAAACQAAAASAAAAAAAAAABAAAAAAAAAAEAAABQAAAAAAAAAAAA4D8AAAAAAADgPwAAAAAAAOA/AAAAAAAA4D8AAAAAAADgPwAAAAAAAOA/AAAAAAAA4D8AAAAAAADgPwAAAAAAAOA/AAAAAAAA4D8CAAAAjAAAAAAAAAAAAAAAu+DjDP///wgAAAAAAAAAAAAAAAAAAAAAAAAAAAAAAAAAAAAAZAAAAAEAAABAAAAAAAAAAAAAAAAAAAAAAAAAAAAAAAAAAAAAAAAAAAAAAAAAAAAAAAAAAAAAAAAAAAAAAAAAAAAAAAAAAAAAAAAAAAAAAAAAAAAAAAAAAAAAAAAAAAAAFAAAADwAAAAAAAAAAAAAAAAAAAkUAAAAAQAAABQAAAAUAAAAFAAAAAEAAAAAAAAAZAAAAGQAAAAAAAAAZAAAAGQAAAAVAAAAYAAAAAAAAAAAAAAADwAAACADAAAAAAAAAAAAAAEAAACgMgAAVgcAAKr4//8BAAAAf39/AAEAAABkAAAAAAAAABQAAABAHwAAAAAAACYAAAAAAAAAwOD//wAAAAAmAAAAZAAAABYAAABMAAAAAAAAAAAAAAAEAAAAAAAAAAEAAACAgIAKAAAAACgAAAAoAAAAZAAAAGQAAAAAAAAAzMzMAAAAAABQAAAAUAAAAGQAAABkAAAAAAAAABcAAAAUAAAAAAAAAAAAAAD/fwAA/38AAAAAAAAJAAAABAAAAAAAAAAeAAAAaAAAAAAAAAAAAAAAAAAAAAAAAAAAAAAAECcAABAnAAAAAAAAAAAAAAAAAAAAAAAAAAAAAAAAAAAAAAAAAAAAABQAAAAAAAAAwMD/AAAAAABkAAAAMgAAAAAAAABkAAAAAAAAAH9/fwAKAAAAIgAAABgAAAAAAAAAAAAAAAAAAAAAAAAAAAAAAAAAAAAkAAAAJAAAAAAAAAAHAAAAAAAAAAAAAAAAAAAAAAAAAAAAAAAAAAAAf39/ACUAAABYAAAAAAAAAAAAAAAAAAAAAAAAAAAAAAAAAAAAAAAAAAAAAAAAAAAAAAAAAAAAAAA/AAAAAAAAAKCGAQAAAAAAAAAAAAAAAAAMAAAAAQAAAAAAAAAAAAAAAAAAAB8AAABUAAAAAAAABQAAAAEAAAAAAAAAAAAAAAAAAAAAAAAAAAAAAAAAAAAAAAAAAAAAAAJ/f38AAAAAA8zMzADAwP8Af39/AAAAAAAAAAAAAAAAAAAAAAAAAAAAIQAAABgAAAAUAAAAwAMAALABAABARwAAuAgAABAAAAAmAAAACAAAAAAAAAAAAAAAMAAAABQAAAAAAAAAAAD//wAAAQAAAP//AAABAA=="/>
+                <pr:smNativeData xmlns:pr="smNativeData" xmlns="smNativeData" val="SMDATA_16_oViJZxMAAAAlAAAAZAAAAA8BAAAAkAAAAEgAAACQAAAASAAAAAAAAAABAAAAAAAAAAEAAABQAAAAAAAAAAAA4D8AAAAAAADgPwAAAAAAAOA/AAAAAAAA4D8AAAAAAADgPwAAAAAAAOA/AAAAAAAA4D8AAAAAAADgPwAAAAAAAOA/AAAAAAAA4D8CAAAAjAAAAAAAAAAAAAAAu+DjDP///wgAAAAAAAAAAAAAAAAAAAAAAAAAAAAAAAAAAAAAZAAAAAEAAABAAAAAAAAAAAAAAAAAAAAAAAAAAAAAAAAAAAAAAAAAAAAAAAAAAAAAAAAAAAAAAAAAAAAAAAAAAAAAAAAAAAAAAAAAAAAAAAAAAAAAAAAAAAAAAAAAAAAAFAAAADwAAAAAAAAAAAAAAAAAAAkUAAAAAQAAABQAAAAUAAAAFAAAAAEAAAAAAAAAZAAAAGQAAAAAAAAAZAAAAGQAAAAVAAAAYAAAAAAAAAAAAAAADwAAACADAAAAAAAAAAAAAAEAAACgMgAAVgcAAKr4//8BAAAAf39/AAEAAABkAAAAAAAAABQAAABAHwAAAAAAACYAAAAAAAAAwOD//wAAAAAmAAAAZAAAABYAAABMAAAAAAAAAAAAAAAEAAAAAAAAAAEAAACAgIAKAAAAACgAAAAoAAAAZAAAAGQAAAAAAAAAzMzMAAAAAABQAAAAUAAAAGQAAABkAAAAAAAAABcAAAAUAAAAAAAAAAAAAAD/fwAA/38AAAAAAAAJAAAABAAAAAAAAAAeAAAAaAAAAAAAAAAAAAAAAAAAAAAAAAAAAAAAECcAABAnAAAAAAAAAAAAAAAAAAAAAAAAAAAAAAAAAAAAAAAAAAAAABQAAAAAAAAAwMD/AAAAAABkAAAAMgAAAAAAAABkAAAAAAAAAH9/fwAKAAAAIgAAABgAAAAAAAAAAAAAAAAAAAAAAAAAAAAAAAAAAAAkAAAAJAAAAAAAAAAHAAAAAAAAAAAAAAAAAAAAAAAAAAAAAAAAAAAAf39/ACUAAABYAAAAAAAAAAAAAAAAAAAAAAAAAAAAAAAAAAAAAAAAAAAAAAAAAAAAAAAAAAAAAAA/AAAAAAAAAKCGAQAAAAAAAAAAAAAAAAAMAAAAAQAAAAAAAAAAAAAAAAAAAB8AAABUAAAAAAAABQAAAAEAAAAAAAAAAAAAAAAAAAAAAAAAAAAAAAAAAAAAAAAAAAAAAAJ/f38AAAAAA8zMzADAwP8Af39/AAAAAAAAAAAAAAAAAAAAAAAAAAAAIQAAABgAAAAUAAAAwAMAALABAABARwAAuAgAABAAAAAmAAAACAAAAAAAAAAAAAAAMAAAABQAAAAAAAAAAAD//wAAAQAAAP//AAABAA=="/>
               </a:ext>
             </a:extLst>
           </p:cNvSpPr>
@@ -852,7 +852,7 @@
             <a:spLocks noGrp="1" noChangeArrowheads="1"/>
             <a:extLst>
               <a:ext uri="smNativeData">
-                <pr:smNativeData xmlns:pr="smNativeData" xmlns="smNativeData" val="SMDATA_16_jeCHZxMAAAAlAAAAZAAAAA8BAAAAkAAAAEgAAACQAAAASAAAAAAAAAAAAAAAAAAAAAEAAABQAAAAAAAAAAAA4D8AAAAAAADgPwAAAAAAAOA/AAAAAAAA4D8AAAAAAADgPwAAAAAAAOA/AAAAAAAA4D8AAAAAAADgPwAAAAAAAOA/AAAAAAAA4D8CAAAAjAAAAAAAAAAAAAAAu+DjDP///wgAAAAAAAAAAAAAAAAAAAAAAAAAAAAAAAAAAAAAZAAAAAEAAABAAAAAAAAAAAAAAAAAAAAAAAAAAAAAAAAAAAAAAAAAAAAAAAAAAAAAAAAAAAAAAAAAAAAAAAAAAAAAAAAAAAAAAAAAAAAAAAAAAAAAAAAAAAAAAAAAAAAAFAAAADwAAAAAAAAAAAAAAAAAAAkUAAAAAQAAABQAAAAUAAAAFAAAAAEAAAAAAAAAZAAAAGQAAAAAAAAAZAAAAGQAAAAVAAAAYAAAAAAAAAAAAAAADwAAACADAAAAAAAAAAAAAAEAAACgMgAAVgcAAKr4//8BAAAAf39/AAEAAABkAAAAAAAAABQAAABAHwAAAAAAACYAAAAAAAAAwOD//wAAAAAmAAAAZAAAABYAAABMAAAAAAAAAAAAAAAEAAAAAAAAAAEAAACAgIAKAAAAACgAAAAoAAAAZAAAAGQAAAAAAAAAzMzMAAAAAABQAAAAUAAAAGQAAABkAAAAAAAAABcAAAAUAAAAAAAAAAAAAAD/fwAA/38AAAAAAAAJAAAABAAAAAAAAAAeAAAAaAAAAAAAAAAAAAAAAAAAAAAAAAAAAAAAECcAABAnAAAAAAAAAAAAAAAAAAAAAAAAAAAAAAAAAAAAAAAAAAAAABQAAAAAAAAAwMD/AAAAAABkAAAAMgAAAAAAAABkAAAAAAAAAH9/fwAKAAAAIgAAABgAAAAAAAAAAAAAAAAAAAAAAAAAAAAAAAAAAAAkAAAAJAAAAAAAAAAHAAAAAAAAAAAAAAAAAAAAAAAAAAAAAAAAAAAAf39/ACUAAABYAAAAAAAAAAAAAAAAAAAAAAAAAAAAAAAAAAAAAAAAAAAAAAAAAAAAAAAAAAAAAAA/AAAAAAAAAKCGAQAAAAAAAAAAAAAAAAAMAAAAAQAAAAAAAAAAAAAAAAAAAB8AAABUAAAAAAAABQAAAAEAAAAAAAAAAAAAAAAAAAAAAAAAAAAAAAAAAAAAAAAAAAAAAAJ/f38AAAAAA8zMzADAwP8Af39/AAAAAAAAAAAAAAAAAAAAAAAAAAAAIQAAABgAAAAUAAAAwAMAANgJAABARwAAsCUAABAAAAAmAAAACAAAAAAAAAAAAAAAMAAAABQAAAAAAAAAAAD//wAAAQAAAP//AAABAA=="/>
+                <pr:smNativeData xmlns:pr="smNativeData" xmlns="smNativeData" val="SMDATA_16_oViJZxMAAAAlAAAAZAAAAA8BAAAAkAAAAEgAAACQAAAASAAAAAAAAAAAAAAAAAAAAAEAAABQAAAAAAAAAAAA4D8AAAAAAADgPwAAAAAAAOA/AAAAAAAA4D8AAAAAAADgPwAAAAAAAOA/AAAAAAAA4D8AAAAAAADgPwAAAAAAAOA/AAAAAAAA4D8CAAAAjAAAAAAAAAAAAAAAu+DjDP///wgAAAAAAAAAAAAAAAAAAAAAAAAAAAAAAAAAAAAAZAAAAAEAAABAAAAAAAAAAAAAAAAAAAAAAAAAAAAAAAAAAAAAAAAAAAAAAAAAAAAAAAAAAAAAAAAAAAAAAAAAAAAAAAAAAAAAAAAAAAAAAAAAAAAAAAAAAAAAAAAAAAAAFAAAADwAAAAAAAAAAAAAAAAAAAkUAAAAAQAAABQAAAAUAAAAFAAAAAEAAAAAAAAAZAAAAGQAAAAAAAAAZAAAAGQAAAAVAAAAYAAAAAAAAAAAAAAADwAAACADAAAAAAAAAAAAAAEAAACgMgAAVgcAAKr4//8BAAAAf39/AAEAAABkAAAAAAAAABQAAABAHwAAAAAAACYAAAAAAAAAwOD//wAAAAAmAAAAZAAAABYAAABMAAAAAAAAAAAAAAAEAAAAAAAAAAEAAACAgIAKAAAAACgAAAAoAAAAZAAAAGQAAAAAAAAAzMzMAAAAAABQAAAAUAAAAGQAAABkAAAAAAAAABcAAAAUAAAAAAAAAAAAAAD/fwAA/38AAAAAAAAJAAAABAAAAAAAAAAeAAAAaAAAAAAAAAAAAAAAAAAAAAAAAAAAAAAAECcAABAnAAAAAAAAAAAAAAAAAAAAAAAAAAAAAAAAAAAAAAAAAAAAABQAAAAAAAAAwMD/AAAAAABkAAAAMgAAAAAAAABkAAAAAAAAAH9/fwAKAAAAIgAAABgAAAAAAAAAAAAAAAAAAAAAAAAAAAAAAAAAAAAkAAAAJAAAAAAAAAAHAAAAAAAAAAAAAAAAAAAAAAAAAAAAAAAAAAAAf39/ACUAAABYAAAAAAAAAAAAAAAAAAAAAAAAAAAAAAAAAAAAAAAAAAAAAAAAAAAAAAAAAAAAAAA/AAAAAAAAAKCGAQAAAAAAAAAAAAAAAAAMAAAAAQAAAAAAAAAAAAAAAAAAAB8AAABUAAAAAAAABQAAAAEAAAAAAAAAAAAAAAAAAAAAAAAAAAAAAAAAAAAAAAAAAAAAAAJ/f38AAAAAA8zMzADAwP8Af39/AAAAAAAAAAAAAAAAAAAAAAAAAAAAIQAAABgAAAAUAAAAwAMAANgJAABARwAAsCUAABAAAAAmAAAACAAAAAAAAAAAAAAAMAAAABQAAAAAAAAAAAD//wAAAQAAAP//AAABAA=="/>
               </a:ext>
             </a:extLst>
           </p:cNvSpPr>
@@ -903,7 +903,7 @@
             <a:spLocks noGrp="1" noChangeArrowheads="1"/>
             <a:extLst>
               <a:ext uri="smNativeData">
-                <pr:smNativeData xmlns:pr="smNativeData" xmlns="smNativeData" val="SMDATA_16_jeCHZxMAAAAlAAAAZAAAAA8BAAAAkAAAAEgAAACQAAAASAAAAAAAAAABAAAAAAAAAAEAAABQAAAAAAAAAAAA4D8AAAAAAADgPwAAAAAAAOA/AAAAAAAA4D8AAAAAAADgPwAAAAAAAOA/AAAAAAAA4D8AAAAAAADgPwAAAAAAAOA/AAAAAAAA4D8CAAAAjAAAAAAAAAAAAAAAu+DjDP///wgAAAAAAAAAAAAAAAAAAAAAAAAAAAAAAAAAAAAAZAAAAAEAAABAAAAAAAAAAAAAAAAAAAAAAAAAAAAAAAAAAAAAAAAAAAAAAAAAAAAAAAAAAAAAAAAAAAAAAAAAAAAAAAAAAAAAAAAAAAAAAAAAAAAAAAAAAAAAAAAAAAAAFAAAADwAAAAAAAAAAAAAAAAAAAkUAAAAAQAAABQAAAAUAAAAFAAAAAEAAAAAAAAAZAAAAGQAAAAAAAAAZAAAAGQAAAAVAAAAYAAAAAAAAAAAAAAADwAAACADAAAAAAAAAAAAAAEAAACgMgAAVgcAAKr4//8BAAAAf39/AAEAAABkAAAAAAAAABQAAABAHwAAAAAAACYAAAAAAAAAwOD//wAAAAAmAAAAZAAAABYAAABMAAAAAAAAAAAAAAAEAAAAAAAAAAEAAACAgIAKAAAAACgAAAAoAAAAZAAAAGQAAAAAAAAAzMzMAAAAAABQAAAAUAAAAGQAAABkAAAAAAAAABcAAAAUAAAAAAAAAAAAAAD/fwAA/38AAAAAAAAJAAAABAAAANw7IAEeAAAAaAAAAAAAAAAAAAAAAAAAAAAAAAAAAAAAECcAABAnAAAAAAAAAAAAAAAAAAAAAAAAAAAAAAAAAAAAAAAAAAAAABQAAAAAAAAAwMD/AAAAAABkAAAAMgAAAAAAAABkAAAAAAAAAH9/fwAKAAAAIgAAABgAAAAAAAAAAAAAAAAAAAAAAAAAAAAAAAAAAAAkAAAAJAAAAAAAAAAHAAAAAAAAAAAAAAAAAAAAAAAAAAAAAAAAAAAAf39/ACUAAABYAAAAAAAAAAAAAAAAAAAAAAAAAAAAAAAAAAAAAAAAAAAAAAAAAAAAAAAAAAAAAAA/AAAAAAAAAKCGAQAAAAAAAAAAAAAAAAAMAAAAAQAAAAAAAAAAAAAAAAAAAB8AAABUAAAAAAAABQAAAAEAAAAAAAAAAAAAAAAAAAAAAAAAAAAAAAAAAAAAAAAAAAAAAAJ/f38AAAAAA8zMzADAwP8Af39/AAAAAAAAAAAAAAAAAAAAAAAAAAAAIQAAABgAAAAUAAAAwAMAABsnAAA/FQAAWSkAABAAAAAmAAAACAAAAAAAAAAAAAAAMAAAABQAAAAAAAAAAAD//wAAAQAAAP//AAABAA=="/>
+                <pr:smNativeData xmlns:pr="smNativeData" xmlns="smNativeData" val="SMDATA_16_oViJZxMAAAAlAAAAZAAAAA8BAAAAkAAAAEgAAACQAAAASAAAAAAAAAABAAAAAAAAAAEAAABQAAAAAAAAAAAA4D8AAAAAAADgPwAAAAAAAOA/AAAAAAAA4D8AAAAAAADgPwAAAAAAAOA/AAAAAAAA4D8AAAAAAADgPwAAAAAAAOA/AAAAAAAA4D8CAAAAjAAAAAAAAAAAAAAAu+DjDP///wgAAAAAAAAAAAAAAAAAAAAAAAAAAAAAAAAAAAAAZAAAAAEAAABAAAAAAAAAAAAAAAAAAAAAAAAAAAAAAAAAAAAAAAAAAAAAAAAAAAAAAAAAAAAAAAAAAAAAAAAAAAAAAAAAAAAAAAAAAAAAAAAAAAAAAAAAAAAAAAAAAAAAFAAAADwAAAAAAAAAAAAAAAAAAAkUAAAAAQAAABQAAAAUAAAAFAAAAAEAAAAAAAAAZAAAAGQAAAAAAAAAZAAAAGQAAAAVAAAAYAAAAAAAAAAAAAAADwAAACADAAAAAAAAAAAAAAEAAACgMgAAVgcAAKr4//8BAAAAf39/AAEAAABkAAAAAAAAABQAAABAHwAAAAAAACYAAAAAAAAAwOD//wAAAAAmAAAAZAAAABYAAABMAAAAAAAAAAAAAAAEAAAAAAAAAAEAAACAgIAKAAAAACgAAAAoAAAAZAAAAGQAAAAAAAAAzMzMAAAAAABQAAAAUAAAAGQAAABkAAAAAAAAABcAAAAUAAAAAAAAAAAAAAD/fwAA/38AAAAAAAAJAAAABAAAANw7IAEeAAAAaAAAAAAAAAAAAAAAAAAAAAAAAAAAAAAAECcAABAnAAAAAAAAAAAAAAAAAAAAAAAAAAAAAAAAAAAAAAAAAAAAABQAAAAAAAAAwMD/AAAAAABkAAAAMgAAAAAAAABkAAAAAAAAAH9/fwAKAAAAIgAAABgAAAAAAAAAAAAAAAAAAAAAAAAAAAAAAAAAAAAkAAAAJAAAAAAAAAAHAAAAAAAAAAAAAAAAAAAAAAAAAAAAAAAAAAAAf39/ACUAAABYAAAAAAAAAAAAAAAAAAAAAAAAAAAAAAAAAAAAAAAAAAAAAAAAAAAAAAAAAAAAAAA/AAAAAAAAAKCGAQAAAAAAAAAAAAAAAAAMAAAAAQAAAAAAAAAAAAAAAAAAAB8AAABUAAAAAAAABQAAAAEAAAAAAAAAAAAAAAAAAAAAAAAAAAAAAAAAAAAAAAAAAAAAAAJ/f38AAAAAA8zMzADAwP8Af39/AAAAAAAAAAAAAAAAAAAAAAAAAAAAIQAAABgAAAAUAAAAwAMAABsnAAA/FQAAWSkAABAAAAAmAAAACAAAAAAAAAAAAAAAMAAAABQAAAAAAAAAAAD//wAAAQAAAP//AAABAA=="/>
               </a:ext>
             </a:extLst>
           </p:cNvSpPr>
@@ -917,7 +917,7 @@
           <a:lstStyle/>
           <a:p>
             <a:pPr/>
-            <a:fld id="{3D258248-06D0-7074-9E9D-F021CCD368A5}" type="datetime1">
+            <a:fld id="{3D8E5769-27D0-DBA1-9E36-D1F419786884}" type="datetime1">
               <a:t/>
             </a:fld>
           </a:p>
@@ -930,7 +930,7 @@
             <a:spLocks noGrp="1" noChangeArrowheads="1"/>
             <a:extLst>
               <a:ext uri="smNativeData">
-                <pr:smNativeData xmlns:pr="smNativeData" xmlns="smNativeData" val="SMDATA_16_jeCHZxMAAAAlAAAAZAAAAA8BAAAAkAAAAEgAAACQAAAASAAAAAAAAAABAAAAAAAAAAEAAABQAAAAAAAAAAAA4D8AAAAAAADgPwAAAAAAAOA/AAAAAAAA4D8AAAAAAADgPwAAAAAAAOA/AAAAAAAA4D8AAAAAAADgPwAAAAAAAOA/AAAAAAAA4D8CAAAAjAAAAAAAAAAAAAAAu+DjDP///wgAAAAAAAAAAAAAAAAAAAAAAAAAAAAAAAAAAAAAZAAAAAEAAABAAAAAAAAAAAAAAAAAAAAAAAAAAAAAAAAAAAAAAAAAAAAAAAAAAAAAAAAAAAAAAAAAAAAAAAAAAAAAAAAAAAAAAAAAAAAAAAAAAAAAAAAAAAAAAAAAAAAAFAAAADwAAAAAAAAAAAAAAAAAAAkUAAAAAQAAABQAAAAUAAAAFAAAAAEAAAAAAAAAZAAAAGQAAAAAAAAAZAAAAGQAAAAVAAAAYAAAAAAAAAAAAAAADwAAACADAAAAAAAAAAAAAAEAAACgMgAAVgcAAKr4//8BAAAAf39/AAEAAABkAAAAAAAAABQAAABAHwAAAAAAACYAAAAAAAAAwOD//wAAAAAmAAAAZAAAABYAAABMAAAAAAAAAAAAAAAEAAAAAAAAAAEAAACAgIAKAAAAACgAAAAoAAAAZAAAAGQAAAAAAAAAzMzMAAAAAABQAAAAUAAAAGQAAABkAAAAAAAAABcAAAAUAAAAAAAAAAAAAAD/fwAA/38AAAAAAAAJAAAABAAAANw7IAEeAAAAaAAAAAAAAAAAAAAAAAAAAAAAAAAAAAAAECcAABAnAAAAAAAAAAAAAAAAAAAAAAAAAAAAAAAAAAAAAAAAAAAAABQAAAAAAAAAwMD/AAAAAABkAAAAMgAAAAAAAABkAAAAAAAAAH9/fwAKAAAAIgAAABgAAAAAAAAAAAAAAAAAAAAAAAAAAAAAAAAAAAAkAAAAJAAAAAAAAAAHAAAAAAAAAAAAAAAAAAAAAAAAAAAAAAAAAAAAf39/ACUAAABYAAAAAAAAAAAAAAAAAAAAAAAAAAAAAAAAAAAAAAAAAAAAAAAAAAAAAAAAAAAAAAA/AAAAAAAAAKCGAQAAAAAAAAAAAAAAAAAMAAAAAQAAAAAAAAAAAAAAAAAAAB8AAABUAAAAAAAABQAAAAEAAAAAAAAAAAAAAAAAAAAAAAAAAAAAAAAAAAAAAAAAAAAAAAJ/f38AAAAAA8zMzADAwP8Af39/AAAAAAAAAAAAAAAAAAAAAAAAAAAAIQAAABgAAAAUAAAAoRkAABsnAABfMQAAWSkAABAAAAAmAAAACAAAAAAAAAAAAAAAMAAAABQAAAAAAAAAAAD//wAAAQAAAP//AAABAA=="/>
+                <pr:smNativeData xmlns:pr="smNativeData" xmlns="smNativeData" val="SMDATA_16_oViJZxMAAAAlAAAAZAAAAA8BAAAAkAAAAEgAAACQAAAASAAAAAAAAAABAAAAAAAAAAEAAABQAAAAAAAAAAAA4D8AAAAAAADgPwAAAAAAAOA/AAAAAAAA4D8AAAAAAADgPwAAAAAAAOA/AAAAAAAA4D8AAAAAAADgPwAAAAAAAOA/AAAAAAAA4D8CAAAAjAAAAAAAAAAAAAAAu+DjDP///wgAAAAAAAAAAAAAAAAAAAAAAAAAAAAAAAAAAAAAZAAAAAEAAABAAAAAAAAAAAAAAAAAAAAAAAAAAAAAAAAAAAAAAAAAAAAAAAAAAAAAAAAAAAAAAAAAAAAAAAAAAAAAAAAAAAAAAAAAAAAAAAAAAAAAAAAAAAAAAAAAAAAAFAAAADwAAAAAAAAAAAAAAAAAAAkUAAAAAQAAABQAAAAUAAAAFAAAAAEAAAAAAAAAZAAAAGQAAAAAAAAAZAAAAGQAAAAVAAAAYAAAAAAAAAAAAAAADwAAACADAAAAAAAAAAAAAAEAAACgMgAAVgcAAKr4//8BAAAAf39/AAEAAABkAAAAAAAAABQAAABAHwAAAAAAACYAAAAAAAAAwOD//wAAAAAmAAAAZAAAABYAAABMAAAAAAAAAAAAAAAEAAAAAAAAAAEAAACAgIAKAAAAACgAAAAoAAAAZAAAAGQAAAAAAAAAzMzMAAAAAABQAAAAUAAAAGQAAABkAAAAAAAAABcAAAAUAAAAAAAAAAAAAAD/fwAA/38AAAAAAAAJAAAABAAAANw7IAEeAAAAaAAAAAAAAAAAAAAAAAAAAAAAAAAAAAAAECcAABAnAAAAAAAAAAAAAAAAAAAAAAAAAAAAAAAAAAAAAAAAAAAAABQAAAAAAAAAwMD/AAAAAABkAAAAMgAAAAAAAABkAAAAAAAAAH9/fwAKAAAAIgAAABgAAAAAAAAAAAAAAAAAAAAAAAAAAAAAAAAAAAAkAAAAJAAAAAAAAAAHAAAAAAAAAAAAAAAAAAAAAAAAAAAAAAAAAAAAf39/ACUAAABYAAAAAAAAAAAAAAAAAAAAAAAAAAAAAAAAAAAAAAAAAAAAAAAAAAAAAAAAAAAAAAA/AAAAAAAAAKCGAQAAAAAAAAAAAAAAAAAMAAAAAQAAAAAAAAAAAAAAAAAAAB8AAABUAAAAAAAABQAAAAEAAAAAAAAAAAAAAAAAAAAAAAAAAAAAAAAAAAAAAAAAAAAAAAJ/f38AAAAAA8zMzADAwP8Af39/AAAAAAAAAAAAAAAAAAAAAAAAAAAAIQAAABgAAAAUAAAAoRkAABsnAABfMQAAWSkAABAAAAAmAAAACAAAAAAAAAAAAAAAMAAAABQAAAAAAAAAAAD//wAAAQAAAP//AAABAA=="/>
               </a:ext>
             </a:extLst>
           </p:cNvSpPr>
@@ -954,7 +954,7 @@
             <a:spLocks noGrp="1" noChangeArrowheads="1"/>
             <a:extLst>
               <a:ext uri="smNativeData">
-                <pr:smNativeData xmlns:pr="smNativeData" xmlns="smNativeData" val="SMDATA_16_jeCHZxMAAAAlAAAAZAAAAA8BAAAAkAAAAEgAAACQAAAASAAAAAAAAAABAAAAAAAAAAEAAABQAAAAAAAAAAAA4D8AAAAAAADgPwAAAAAAAOA/AAAAAAAA4D8AAAAAAADgPwAAAAAAAOA/AAAAAAAA4D8AAAAAAADgPwAAAAAAAOA/AAAAAAAA4D8CAAAAjAAAAAAAAAAAAAAAu+DjDP///wgAAAAAAAAAAAAAAAAAAAAAAAAAAAAAAAAAAAAAZAAAAAEAAABAAAAAAAAAAAAAAAAAAAAAAAAAAAAAAAAAAAAAAAAAAAAAAAAAAAAAAAAAAAAAAAAAAAAAAAAAAAAAAAAAAAAAAAAAAAAAAAAAAAAAAAAAAAAAAAAAAAAAFAAAADwAAAAAAAAAAAAAAAAAAAkUAAAAAQAAABQAAAAUAAAAFAAAAAEAAAAAAAAAZAAAAGQAAAAAAAAAZAAAAGQAAAAVAAAAYAAAAAAAAAAAAAAADwAAACADAAAAAAAAAAAAAAEAAACgMgAAVgcAAKr4//8BAAAAf39/AAEAAABkAAAAAAAAABQAAABAHwAAAAAAACYAAAAAAAAAwOD//wAAAAAmAAAAZAAAABYAAABMAAAAAAAAAAAAAAAEAAAAAAAAAAEAAACAgIAKAAAAACgAAAAoAAAAZAAAAGQAAAAAAAAAzMzMAAAAAABQAAAAUAAAAGQAAABkAAAAAAAAABcAAAAUAAAAAAAAAAAAAAD/fwAA/38AAAAAAAAJAAAABAAAAAAAAAAeAAAAaAAAAAAAAAAAAAAAAAAAAAAAAAAAAAAAECcAABAnAAAAAAAAAAAAAAAAAAAAAAAAAAAAAAAAAAAAAAAAAAAAABQAAAAAAAAAwMD/AAAAAABkAAAAMgAAAAAAAABkAAAAAAAAAH9/fwAKAAAAIgAAABgAAAAAAAAAAAAAAAAAAAAAAAAAAAAAAAAAAAAkAAAAJAAAAAAAAAAHAAAAAAAAAAAAAAAAAAAAAAAAAAAAAAAAAAAAf39/ACUAAABYAAAAAAAAAAAAAAAAAAAAAAAAAAAAAAAAAAAAAAAAAAAAAAAAAAAAAAAAAAAAAAA/AAAAAAAAAKCGAQAAAAAAAAAAAAAAAAAMAAAAAQAAAAAAAAAAAAAAAAAAAB8AAABUAAAAAAAABQAAAAEAAAAAAAAAAAAAAAAAAAAAAAAAAAAAAAAAAAAAAAAAAAAAAAJ/f38AAAAAA8zMzADAwP8Af39/AAAAAAAAAAAAAAAAAAAAAAAAAAAAIQAAABgAAAAUAAAAwTUAABsnAABARwAAWSkAABAAAAAmAAAACAAAAAAAAAAAAAAAMAAAABQAAAAAAAAAAAD//wAAAQAAAP//AAABAA=="/>
+                <pr:smNativeData xmlns:pr="smNativeData" xmlns="smNativeData" val="SMDATA_16_oViJZxMAAAAlAAAAZAAAAA8BAAAAkAAAAEgAAACQAAAASAAAAAAAAAABAAAAAAAAAAEAAABQAAAAAAAAAAAA4D8AAAAAAADgPwAAAAAAAOA/AAAAAAAA4D8AAAAAAADgPwAAAAAAAOA/AAAAAAAA4D8AAAAAAADgPwAAAAAAAOA/AAAAAAAA4D8CAAAAjAAAAAAAAAAAAAAAu+DjDP///wgAAAAAAAAAAAAAAAAAAAAAAAAAAAAAAAAAAAAAZAAAAAEAAABAAAAAAAAAAAAAAAAAAAAAAAAAAAAAAAAAAAAAAAAAAAAAAAAAAAAAAAAAAAAAAAAAAAAAAAAAAAAAAAAAAAAAAAAAAAAAAAAAAAAAAAAAAAAAAAAAAAAAFAAAADwAAAAAAAAAAAAAAAAAAAkUAAAAAQAAABQAAAAUAAAAFAAAAAEAAAAAAAAAZAAAAGQAAAAAAAAAZAAAAGQAAAAVAAAAYAAAAAAAAAAAAAAADwAAACADAAAAAAAAAAAAAAEAAACgMgAAVgcAAKr4//8BAAAAf39/AAEAAABkAAAAAAAAABQAAABAHwAAAAAAACYAAAAAAAAAwOD//wAAAAAmAAAAZAAAABYAAABMAAAAAAAAAAAAAAAEAAAAAAAAAAEAAACAgIAKAAAAACgAAAAoAAAAZAAAAGQAAAAAAAAAzMzMAAAAAABQAAAAUAAAAGQAAABkAAAAAAAAABcAAAAUAAAAAAAAAAAAAAD/fwAA/38AAAAAAAAJAAAABAAAAAAAAAAeAAAAaAAAAAAAAAAAAAAAAAAAAAAAAAAAAAAAECcAABAnAAAAAAAAAAAAAAAAAAAAAAAAAAAAAAAAAAAAAAAAAAAAABQAAAAAAAAAwMD/AAAAAABkAAAAMgAAAAAAAABkAAAAAAAAAH9/fwAKAAAAIgAAABgAAAAAAAAAAAAAAAAAAAAAAAAAAAAAAAAAAAAkAAAAJAAAAAAAAAAHAAAAAAAAAAAAAAAAAAAAAAAAAAAAAAAAAAAAf39/ACUAAABYAAAAAAAAAAAAAAAAAAAAAAAAAAAAAAAAAAAAAAAAAAAAAAAAAAAAAAAAAAAAAAA/AAAAAAAAAKCGAQAAAAAAAAAAAAAAAAAMAAAAAQAAAAAAAAAAAAAAAAAAAB8AAABUAAAAAAAABQAAAAEAAAAAAAAAAAAAAAAAAAAAAAAAAAAAAAAAAAAAAAAAAAAAAAJ/f38AAAAAA8zMzADAwP8Af39/AAAAAAAAAAAAAAAAAAAAAAAAAAAAIQAAABgAAAAUAAAAwTUAABsnAABARwAAWSkAABAAAAAmAAAACAAAAAAAAAAAAAAAMAAAABQAAAAAAAAAAAD//wAAAQAAAP//AAABAA=="/>
               </a:ext>
             </a:extLst>
           </p:cNvSpPr>
@@ -968,7 +968,7 @@
           <a:lstStyle/>
           <a:p>
             <a:pPr/>
-            <a:fld id="{3D25CE18-56D0-7038-9E9D-A06D80D368F5}" type="slidenum">
+            <a:fld id="{3D8E5774-3AD0-DBA1-9E36-CCF419786899}" type="slidenum">
               <a:t/>
             </a:fld>
           </a:p>
@@ -1007,7 +1007,7 @@
             <a:spLocks noGrp="1" noChangeArrowheads="1"/>
             <a:extLst>
               <a:ext uri="smNativeData">
-                <pr:smNativeData xmlns:pr="smNativeData" xmlns="smNativeData" val="SMDATA_16_jeCHZxMAAAAlAAAAZAAAAA8BAAAAkAAAAEgAAACQAAAASAAAAAAAAAAAAAAAAAAAAAEAAABQAAAAAAAAAAAA4D8AAAAAAADgPwAAAAAAAOA/AAAAAAAA4D8AAAAAAADgPwAAAAAAAOA/AAAAAAAA4D8AAAAAAADgPwAAAAAAAOA/AAAAAAAA4D8CAAAAjAAAAAAAAAAAAAAAu+DjDP///wgAAAAAAAAAAAAAAAAAAAAAAAAAAAAAAAAAAAAAZAAAAAEAAABAAAAAAAAAAAAAAAAAAAAAAAAAAAAAAAAAAAAAAAAAAAAAAAAAAAAAAAAAAAAAAAAAAAAAAAAAAAAAAAAAAAAAAAAAAAAAAAAAAAAAAAAAAAAAAAAAAAAAFAAAADwAAAAAAAAAAAAAAAAAAAkUAAAAAQAAABQAAAAUAAAAFAAAAAEAAAAAAAAAZAAAAGQAAAAAAAAAZAAAAGQAAAAVAAAAYAAAAAAAAAAAAAAADwAAACADAAAAAAAAAAAAAAEAAACgMgAAVgcAAKr4//8BAAAAf39/AAEAAABkAAAAAAAAABQAAABAHwAAAAAAACYAAAAAAAAAwOD//wAAAAAmAAAAZAAAABYAAABMAAAAAAAAAAAAAAAEAAAAAAAAAAEAAACAgIAKAAAAACgAAAAoAAAAZAAAAGQAAAAAAAAAzMzMAAAAAABQAAAAUAAAAGQAAABkAAAAAAAAABcAAAAUAAAAAAAAAAAAAAD/fwAA/38AAAAAAAAJAAAABAAAANw7IAEeAAAAaAAAAAAAAAAAAAAAAAAAAAAAAAAAAAAAECcAABAnAAAAAAAAAAAAAAAAAAAAAAAAAAAAAAAAAAAAAAAAAAAAABQAAAAAAAAAwMD/AAAAAABkAAAAMgAAAAAAAABkAAAAAAAAAH9/fwAKAAAAIgAAABgAAAAAAAAAAAAAAAAAAAAAAAAAAAAAAAAAAAAkAAAAJAAAAAAAAAAHAAAAAAAAAAAAAAAAAAAAAAAAAAAAAAAAAAAAf39/ACUAAABYAAAAAAAAAAAAAAAAAAAAAAAAAAAAAAAAAAAAAAAAAAAAAAAAAAAAAAAAAAAAAAA/AAAAAAAAAKCGAQAAAAAAAAAAAAAAAAAMAAAAAQAAAAAAAAAAAAAAAAAAAB8AAABUAAAAAAAABQAAAAEAAAAAAAAAAAAAAAAAAAAAAAAAAAAAAAAAAAAAAAAAAAAAAAJ/f38AAAAAA8zMzADAwP8Af39/AAAAAAAAAAAAAAAAAAAAAAAAAAAAIQAAABgAAAAUAAAA7QUAABwbAACtRQAAfSMAABAAAAAmAAAACAAAAIGAAAAAAAAAMAAAABQAAAAAAAAAAAD//wAAAQAAAP//AAABAA=="/>
+                <pr:smNativeData xmlns:pr="smNativeData" xmlns="smNativeData" val="SMDATA_16_oViJZxMAAAAlAAAAZAAAAA8BAAAAkAAAAEgAAACQAAAASAAAAAAAAAAAAAAAAAAAAAEAAABQAAAAAAAAAAAA4D8AAAAAAADgPwAAAAAAAOA/AAAAAAAA4D8AAAAAAADgPwAAAAAAAOA/AAAAAAAA4D8AAAAAAADgPwAAAAAAAOA/AAAAAAAA4D8CAAAAjAAAAAAAAAAAAAAAu+DjDP///wgAAAAAAAAAAAAAAAAAAAAAAAAAAAAAAAAAAAAAZAAAAAEAAABAAAAAAAAAAAAAAAAAAAAAAAAAAAAAAAAAAAAAAAAAAAAAAAAAAAAAAAAAAAAAAAAAAAAAAAAAAAAAAAAAAAAAAAAAAAAAAAAAAAAAAAAAAAAAAAAAAAAAFAAAADwAAAAAAAAAAAAAAAAAAAkUAAAAAQAAABQAAAAUAAAAFAAAAAEAAAAAAAAAZAAAAGQAAAAAAAAAZAAAAGQAAAAVAAAAYAAAAAAAAAAAAAAADwAAACADAAAAAAAAAAAAAAEAAACgMgAAVgcAAKr4//8BAAAAf39/AAEAAABkAAAAAAAAABQAAABAHwAAAAAAACYAAAAAAAAAwOD//wAAAAAmAAAAZAAAABYAAABMAAAAAAAAAAAAAAAEAAAAAAAAAAEAAACAgIAKAAAAACgAAAAoAAAAZAAAAGQAAAAAAAAAzMzMAAAAAABQAAAAUAAAAGQAAABkAAAAAAAAABcAAAAUAAAAAAAAAAAAAAD/fwAA/38AAAAAAAAJAAAABAAAANw7IAEeAAAAaAAAAAAAAAAAAAAAAAAAAAAAAAAAAAAAECcAABAnAAAAAAAAAAAAAAAAAAAAAAAAAAAAAAAAAAAAAAAAAAAAABQAAAAAAAAAwMD/AAAAAABkAAAAMgAAAAAAAABkAAAAAAAAAH9/fwAKAAAAIgAAABgAAAAAAAAAAAAAAAAAAAAAAAAAAAAAAAAAAAAkAAAAJAAAAAAAAAAHAAAAAAAAAAAAAAAAAAAAAAAAAAAAAAAAAAAAf39/ACUAAABYAAAAAAAAAAAAAAAAAAAAAAAAAAAAAAAAAAAAAAAAAAAAAAAAAAAAAAAAAAAAAAA/AAAAAAAAAKCGAQAAAAAAAAAAAAAAAAAMAAAAAQAAAAAAAAAAAAAAAAAAAB8AAABUAAAAAAAABQAAAAEAAAAAAAAAAAAAAAAAAAAAAAAAAAAAAAAAAAAAAAAAAAAAAAJ/f38AAAAAA8zMzADAwP8Af39/AAAAAAAAAAAAAAAAAAAAAAAAAAAAIQAAABgAAAAUAAAA7QUAABwbAACtRQAAfSMAABAAAAAmAAAACAAAAIGAAAAAAAAAMAAAABQAAAAAAAAAAAD//wAAAQAAAP//AAABAA=="/>
               </a:ext>
             </a:extLst>
           </p:cNvSpPr>
@@ -1047,7 +1047,7 @@
             <a:spLocks noGrp="1" noChangeArrowheads="1"/>
             <a:extLst>
               <a:ext uri="smNativeData">
-                <pr:smNativeData xmlns:pr="smNativeData" xmlns="smNativeData" val="SMDATA_16_jeCHZxMAAAAlAAAAZAAAAA8BAAAAkAAAAEgAAACQAAAASAAAAAAAAAACAAAAAAAAAAEAAABQAAAAAAAAAAAA4D8AAAAAAADgPwAAAAAAAOA/AAAAAAAA4D8AAAAAAADgPwAAAAAAAOA/AAAAAAAA4D8AAAAAAADgPwAAAAAAAOA/AAAAAAAA4D8CAAAAjAAAAAAAAAAAAAAAu+DjDP///wgAAAAAAAAAAAAAAAAAAAAAAAAAAAAAAAAAAAAAZAAAAAEAAABAAAAAAAAAAAAAAAAAAAAAAAAAAAAAAAAAAAAAAAAAAAAAAAAAAAAAAAAAAAAAAAAAAAAAAAAAAAAAAAAAAAAAAAAAAAAAAAAAAAAAAAAAAAAAAAAAAAAAFAAAADwAAAAAAAAAAAAAAAAAAAkUAAAAAQAAABQAAAAUAAAAFAAAAAEAAAAAAAAAZAAAAGQAAAAAAAAAZAAAAGQAAAAVAAAAYAAAAAAAAAAAAAAADwAAACADAAAAAAAAAAAAAAEAAACgMgAAVgcAAKr4//8BAAAAf39/AAEAAABkAAAAAAAAABQAAABAHwAAAAAAACYAAAAAAAAAwOD//wAAAAAmAAAAZAAAABYAAABMAAAAAAAAAAAAAAAEAAAAAAAAAAEAAACAgIAKAAAAACgAAAAoAAAAZAAAAGQAAAAAAAAAzMzMAAAAAABQAAAAUAAAAGQAAABkAAAAAAAAABcAAAAUAAAAAAAAAAAAAAD/fwAA/38AAAAAAAAJAAAABAAAANw7IAEeAAAAaAAAAAAAAAAAAAAAAAAAAAAAAAAAAAAAECcAABAnAAAAAAAAAAAAAAAAAAAAAAAAAAAAAAAAAAAAAAAAAAAAABQAAAAAAAAAwMD/AAAAAABkAAAAMgAAAAAAAABkAAAAAAAAAH9/fwAKAAAAIgAAABgAAAAAAAAAAAAAAAAAAAAAAAAAAAAAAAAAAAAkAAAAJAAAAAAAAAAHAAAAAAAAAAAAAAAAAAAAAAAAAAAAAAAAAAAAf39/ACUAAABYAAAAAAAAAAAAAAAAAAAAAAAAAAAAAAAAAAAAAAAAAAAAAAAAAAAAAAAAAAAAAAA/AAAAAAAAAKCGAQAAAAAAAAAAAAAAAAAMAAAAAQAAAAAAAAAAAAAAAAAAAB8AAABUAAAAAAAABQAAAAEAAAAAAAAAAAAAAAAAAAAAAAAAAAAAAAAAAAAAAAAAAAAAAAJ/f38AAAAAA8zMzADAwP8Af39/AAAAAAAAAAAAAAAAAAAAAAAAAAAAIQAAABgAAAAUAAAA7QUAAOERAACtRQAAHBsAABAAAAAmAAAACAAAAIGAAAAAAAAAMAAAABQAAAAAAAAAAAD//wAAAQAAAP//AAABAA=="/>
+                <pr:smNativeData xmlns:pr="smNativeData" xmlns="smNativeData" val="SMDATA_16_oViJZxMAAAAlAAAAZAAAAA8BAAAAkAAAAEgAAACQAAAASAAAAAAAAAACAAAAAAAAAAEAAABQAAAAAAAAAAAA4D8AAAAAAADgPwAAAAAAAOA/AAAAAAAA4D8AAAAAAADgPwAAAAAAAOA/AAAAAAAA4D8AAAAAAADgPwAAAAAAAOA/AAAAAAAA4D8CAAAAjAAAAAAAAAAAAAAAu+DjDP///wgAAAAAAAAAAAAAAAAAAAAAAAAAAAAAAAAAAAAAZAAAAAEAAABAAAAAAAAAAAAAAAAAAAAAAAAAAAAAAAAAAAAAAAAAAAAAAAAAAAAAAAAAAAAAAAAAAAAAAAAAAAAAAAAAAAAAAAAAAAAAAAAAAAAAAAAAAAAAAAAAAAAAFAAAADwAAAAAAAAAAAAAAAAAAAkUAAAAAQAAABQAAAAUAAAAFAAAAAEAAAAAAAAAZAAAAGQAAAAAAAAAZAAAAGQAAAAVAAAAYAAAAAAAAAAAAAAADwAAACADAAAAAAAAAAAAAAEAAACgMgAAVgcAAKr4//8BAAAAf39/AAEAAABkAAAAAAAAABQAAABAHwAAAAAAACYAAAAAAAAAwOD//wAAAAAmAAAAZAAAABYAAABMAAAAAAAAAAAAAAAEAAAAAAAAAAEAAACAgIAKAAAAACgAAAAoAAAAZAAAAGQAAAAAAAAAzMzMAAAAAABQAAAAUAAAAGQAAABkAAAAAAAAABcAAAAUAAAAAAAAAAAAAAD/fwAA/38AAAAAAAAJAAAABAAAANw7IAEeAAAAaAAAAAAAAAAAAAAAAAAAAAAAAAAAAAAAECcAABAnAAAAAAAAAAAAAAAAAAAAAAAAAAAAAAAAAAAAAAAAAAAAABQAAAAAAAAAwMD/AAAAAABkAAAAMgAAAAAAAABkAAAAAAAAAH9/fwAKAAAAIgAAABgAAAAAAAAAAAAAAAAAAAAAAAAAAAAAAAAAAAAkAAAAJAAAAAAAAAAHAAAAAAAAAAAAAAAAAAAAAAAAAAAAAAAAAAAAf39/ACUAAABYAAAAAAAAAAAAAAAAAAAAAAAAAAAAAAAAAAAAAAAAAAAAAAAAAAAAAAAAAAAAAAA/AAAAAAAAAKCGAQAAAAAAAAAAAAAAAAAMAAAAAQAAAAAAAAAAAAAAAAAAAB8AAABUAAAAAAAABQAAAAEAAAAAAAAAAAAAAAAAAAAAAAAAAAAAAAAAAAAAAAAAAAAAAAJ/f38AAAAAA8zMzADAwP8Af39/AAAAAAAAAAAAAAAAAAAAAAAAAAAAIQAAABgAAAAUAAAA7QUAAOERAACtRQAAHBsAABAAAAAmAAAACAAAAIGAAAAAAAAAMAAAABQAAAAAAAAAAAD//wAAAQAAAP//AAABAA=="/>
               </a:ext>
             </a:extLst>
           </p:cNvSpPr>
@@ -1120,7 +1120,7 @@
             <a:spLocks noGrp="1" noChangeArrowheads="1"/>
             <a:extLst>
               <a:ext uri="smNativeData">
-                <pr:smNativeData xmlns:pr="smNativeData" xmlns="smNativeData" val="SMDATA_16_jeCHZxMAAAAlAAAAZAAAAA8BAAAAkAAAAEgAAACQAAAASAAAAAAAAAABAAAAAAAAAAEAAABQAAAAAAAAAAAA4D8AAAAAAADgPwAAAAAAAOA/AAAAAAAA4D8AAAAAAADgPwAAAAAAAOA/AAAAAAAA4D8AAAAAAADgPwAAAAAAAOA/AAAAAAAA4D8CAAAAjAAAAAAAAAAAAAAAu+DjDP///wgAAAAAAAAAAAAAAAAAAAAAAAAAAAAAAAAAAAAAZAAAAAEAAABAAAAAAAAAAAAAAAAAAAAAAAAAAAAAAAAAAAAAAAAAAAAAAAAAAAAAAAAAAAAAAAAAAAAAAAAAAAAAAAAAAAAAAAAAAAAAAAAAAAAAAAAAAAAAAAAAAAAAFAAAADwAAAAAAAAAAAAAAAAAAAkUAAAAAQAAABQAAAAUAAAAFAAAAAEAAAAAAAAAZAAAAGQAAAAAAAAAZAAAAGQAAAAVAAAAYAAAAAAAAAAAAAAADwAAACADAAAAAAAAAAAAAAEAAACgMgAAVgcAAKr4//8BAAAAf39/AAEAAABkAAAAAAAAABQAAABAHwAAAAAAACYAAAAAAAAAwOD//wAAAAAmAAAAZAAAABYAAABMAAAAAAAAAAAAAAAEAAAAAAAAAAEAAACAgIAKAAAAACgAAAAoAAAAZAAAAGQAAAAAAAAAzMzMAAAAAABQAAAAUAAAAGQAAABkAAAAAAAAABcAAAAUAAAAAAAAAAAAAAD/fwAA/38AAAAAAAAJAAAABAAAAAAAAAAeAAAAaAAAAAAAAAAAAAAAAAAAAAAAAAAAAAAAECcAABAnAAAAAAAAAAAAAAAAAAAAAAAAAAAAAAAAAAAAAAAAAAAAABQAAAAAAAAAwMD/AAAAAABkAAAAMgAAAAAAAABkAAAAAAAAAH9/fwAKAAAAIgAAABgAAAAAAAAAAAAAAAAAAAAAAAAAAAAAAAAAAAAkAAAAJAAAAAAAAAAHAAAAAAAAAAAAAAAAAAAAAAAAAAAAAAAAAAAAf39/ACUAAABYAAAAAAAAAAAAAAAAAAAAAAAAAAAAAAAAAAAAAAAAAAAAAAAAAAAAAAAAAAAAAAA/AAAAAAAAAKCGAQAAAAAAAAAAAAAAAAAMAAAAAQAAAAAAAAAAAAAAAAAAAB8AAABUAAAAAAAABQAAAAEAAAAAAAAAAAAAAAAAAAAAAAAAAAAAAAAAAAAAAAAAAAAAAAJ/f38AAAAAA8zMzADAwP8Af39/AAAAAAAAAAAAAAAAAAAAAAAAAAAAIQAAABgAAAAUAAAAwAMAABsnAAA/FQAAWSkAABAAAAAmAAAACAAAAAAAAAAAAAAAMAAAABQAAAAAAAAAAAD//wAAAQAAAP//AAABAA=="/>
+                <pr:smNativeData xmlns:pr="smNativeData" xmlns="smNativeData" val="SMDATA_16_oViJZxMAAAAlAAAAZAAAAA8BAAAAkAAAAEgAAACQAAAASAAAAAAAAAABAAAAAAAAAAEAAABQAAAAAAAAAAAA4D8AAAAAAADgPwAAAAAAAOA/AAAAAAAA4D8AAAAAAADgPwAAAAAAAOA/AAAAAAAA4D8AAAAAAADgPwAAAAAAAOA/AAAAAAAA4D8CAAAAjAAAAAAAAAAAAAAAu+DjDP///wgAAAAAAAAAAAAAAAAAAAAAAAAAAAAAAAAAAAAAZAAAAAEAAABAAAAAAAAAAAAAAAAAAAAAAAAAAAAAAAAAAAAAAAAAAAAAAAAAAAAAAAAAAAAAAAAAAAAAAAAAAAAAAAAAAAAAAAAAAAAAAAAAAAAAAAAAAAAAAAAAAAAAFAAAADwAAAAAAAAAAAAAAAAAAAkUAAAAAQAAABQAAAAUAAAAFAAAAAEAAAAAAAAAZAAAAGQAAAAAAAAAZAAAAGQAAAAVAAAAYAAAAAAAAAAAAAAADwAAACADAAAAAAAAAAAAAAEAAACgMgAAVgcAAKr4//8BAAAAf39/AAEAAABkAAAAAAAAABQAAABAHwAAAAAAACYAAAAAAAAAwOD//wAAAAAmAAAAZAAAABYAAABMAAAAAAAAAAAAAAAEAAAAAAAAAAEAAACAgIAKAAAAACgAAAAoAAAAZAAAAGQAAAAAAAAAzMzMAAAAAABQAAAAUAAAAGQAAABkAAAAAAAAABcAAAAUAAAAAAAAAAAAAAD/fwAA/38AAAAAAAAJAAAABAAAAAAAAAAeAAAAaAAAAAAAAAAAAAAAAAAAAAAAAAAAAAAAECcAABAnAAAAAAAAAAAAAAAAAAAAAAAAAAAAAAAAAAAAAAAAAAAAABQAAAAAAAAAwMD/AAAAAABkAAAAMgAAAAAAAABkAAAAAAAAAH9/fwAKAAAAIgAAABgAAAAAAAAAAAAAAAAAAAAAAAAAAAAAAAAAAAAkAAAAJAAAAAAAAAAHAAAAAAAAAAAAAAAAAAAAAAAAAAAAAAAAAAAAf39/ACUAAABYAAAAAAAAAAAAAAAAAAAAAAAAAAAAAAAAAAAAAAAAAAAAAAAAAAAAAAAAAAAAAAA/AAAAAAAAAKCGAQAAAAAAAAAAAAAAAAAMAAAAAQAAAAAAAAAAAAAAAAAAAB8AAABUAAAAAAAABQAAAAEAAAAAAAAAAAAAAAAAAAAAAAAAAAAAAAAAAAAAAAAAAAAAAAJ/f38AAAAAA8zMzADAwP8Af39/AAAAAAAAAAAAAAAAAAAAAAAAAAAAIQAAABgAAAAUAAAAwAMAABsnAAA/FQAAWSkAABAAAAAmAAAACAAAAAAAAAAAAAAAMAAAABQAAAAAAAAAAAD//wAAAQAAAP//AAABAA=="/>
               </a:ext>
             </a:extLst>
           </p:cNvSpPr>
@@ -1134,7 +1134,7 @@
           <a:lstStyle/>
           <a:p>
             <a:pPr/>
-            <a:fld id="{3D25FCAF-E1D0-700A-9E9D-175FB2D36842}" type="datetime1">
+            <a:fld id="{3D8E737B-35D0-DB85-9E36-C3D03D786896}" type="datetime1">
               <a:t/>
             </a:fld>
           </a:p>
@@ -1147,7 +1147,7 @@
             <a:spLocks noGrp="1" noChangeArrowheads="1"/>
             <a:extLst>
               <a:ext uri="smNativeData">
-                <pr:smNativeData xmlns:pr="smNativeData" xmlns="smNativeData" val="SMDATA_16_jeCHZxMAAAAlAAAAZAAAAA8BAAAAkAAAAEgAAACQAAAASAAAAAAAAAABAAAAAAAAAAEAAABQAAAAAAAAAAAA4D8AAAAAAADgPwAAAAAAAOA/AAAAAAAA4D8AAAAAAADgPwAAAAAAAOA/AAAAAAAA4D8AAAAAAADgPwAAAAAAAOA/AAAAAAAA4D8CAAAAjAAAAAAAAAAAAAAAu+DjDP///wgAAAAAAAAAAAAAAAAAAAAAAAAAAAAAAAAAAAAAZAAAAAEAAABAAAAAAAAAAAAAAAAAAAAAAAAAAAAAAAAAAAAAAAAAAAAAAAAAAAAAAAAAAAAAAAAAAAAAAAAAAAAAAAAAAAAAAAAAAAAAAAAAAAAAAAAAAAAAAAAAAAAAFAAAADwAAAAAAAAAAAAAAAAAAAkUAAAAAQAAABQAAAAUAAAAFAAAAAEAAAAAAAAAZAAAAGQAAAAAAAAAZAAAAGQAAAAVAAAAYAAAAAAAAAAAAAAADwAAACADAAAAAAAAAAAAAAEAAACgMgAAVgcAAKr4//8BAAAAf39/AAEAAABkAAAAAAAAABQAAABAHwAAAAAAACYAAAAAAAAAwOD//wAAAAAmAAAAZAAAABYAAABMAAAAAAAAAAAAAAAEAAAAAAAAAAEAAACAgIAKAAAAACgAAAAoAAAAZAAAAGQAAAAAAAAAzMzMAAAAAABQAAAAUAAAAGQAAABkAAAAAAAAABcAAAAUAAAAAAAAAAAAAAD/fwAA/38AAAAAAAAJAAAABAAAANw7IAEeAAAAaAAAAAAAAAAAAAAAAAAAAAAAAAAAAAAAECcAABAnAAAAAAAAAAAAAAAAAAAAAAAAAAAAAAAAAAAAAAAAAAAAABQAAAAAAAAAwMD/AAAAAABkAAAAMgAAAAAAAABkAAAAAAAAAH9/fwAKAAAAIgAAABgAAAAAAAAAAAAAAAAAAAAAAAAAAAAAAAAAAAAkAAAAJAAAAAAAAAAHAAAAAAAAAAAAAAAAAAAAAAAAAAAAAAAAAAAAf39/ACUAAABYAAAAAAAAAAAAAAAAAAAAAAAAAAAAAAAAAAAAAAAAAAAAAAAAAAAAAAAAAAAAAAA/AAAAAAAAAKCGAQAAAAAAAAAAAAAAAAAMAAAAAQAAAAAAAAAAAAAAAAAAAB8AAABUAAAAAAAABQAAAAEAAAAAAAAAAAAAAAAAAAAAAAAAAAAAAAAAAAAAAAAAAAAAAAJ/f38AAAAAA8zMzADAwP8Af39/AAAAAAAAAAAAAAAAAAAAAAAAAAAAIQAAABgAAAAUAAAAoRkAABsnAABfMQAAWSkAABAAAAAmAAAACAAAAAAAAAAAAAAAMAAAABQAAAAAAAAAAAD//wAAAQAAAP//AAABAA=="/>
+                <pr:smNativeData xmlns:pr="smNativeData" xmlns="smNativeData" val="SMDATA_16_oViJZxMAAAAlAAAAZAAAAA8BAAAAkAAAAEgAAACQAAAASAAAAAAAAAABAAAAAAAAAAEAAABQAAAAAAAAAAAA4D8AAAAAAADgPwAAAAAAAOA/AAAAAAAA4D8AAAAAAADgPwAAAAAAAOA/AAAAAAAA4D8AAAAAAADgPwAAAAAAAOA/AAAAAAAA4D8CAAAAjAAAAAAAAAAAAAAAu+DjDP///wgAAAAAAAAAAAAAAAAAAAAAAAAAAAAAAAAAAAAAZAAAAAEAAABAAAAAAAAAAAAAAAAAAAAAAAAAAAAAAAAAAAAAAAAAAAAAAAAAAAAAAAAAAAAAAAAAAAAAAAAAAAAAAAAAAAAAAAAAAAAAAAAAAAAAAAAAAAAAAAAAAAAAFAAAADwAAAAAAAAAAAAAAAAAAAkUAAAAAQAAABQAAAAUAAAAFAAAAAEAAAAAAAAAZAAAAGQAAAAAAAAAZAAAAGQAAAAVAAAAYAAAAAAAAAAAAAAADwAAACADAAAAAAAAAAAAAAEAAACgMgAAVgcAAKr4//8BAAAAf39/AAEAAABkAAAAAAAAABQAAABAHwAAAAAAACYAAAAAAAAAwOD//wAAAAAmAAAAZAAAABYAAABMAAAAAAAAAAAAAAAEAAAAAAAAAAEAAACAgIAKAAAAACgAAAAoAAAAZAAAAGQAAAAAAAAAzMzMAAAAAABQAAAAUAAAAGQAAABkAAAAAAAAABcAAAAUAAAAAAAAAAAAAAD/fwAA/38AAAAAAAAJAAAABAAAANw7IAEeAAAAaAAAAAAAAAAAAAAAAAAAAAAAAAAAAAAAECcAABAnAAAAAAAAAAAAAAAAAAAAAAAAAAAAAAAAAAAAAAAAAAAAABQAAAAAAAAAwMD/AAAAAABkAAAAMgAAAAAAAABkAAAAAAAAAH9/fwAKAAAAIgAAABgAAAAAAAAAAAAAAAAAAAAAAAAAAAAAAAAAAAAkAAAAJAAAAAAAAAAHAAAAAAAAAAAAAAAAAAAAAAAAAAAAAAAAAAAAf39/ACUAAABYAAAAAAAAAAAAAAAAAAAAAAAAAAAAAAAAAAAAAAAAAAAAAAAAAAAAAAAAAAAAAAA/AAAAAAAAAKCGAQAAAAAAAAAAAAAAAAAMAAAAAQAAAAAAAAAAAAAAAAAAAB8AAABUAAAAAAAABQAAAAEAAAAAAAAAAAAAAAAAAAAAAAAAAAAAAAAAAAAAAAAAAAAAAAJ/f38AAAAAA8zMzADAwP8Af39/AAAAAAAAAAAAAAAAAAAAAAAAAAAAIQAAABgAAAAUAAAAoRkAABsnAABfMQAAWSkAABAAAAAmAAAACAAAAAAAAAAAAAAAMAAAABQAAAAAAAAAAAD//wAAAQAAAP//AAABAA=="/>
               </a:ext>
             </a:extLst>
           </p:cNvSpPr>
@@ -1171,7 +1171,7 @@
             <a:spLocks noGrp="1" noChangeArrowheads="1"/>
             <a:extLst>
               <a:ext uri="smNativeData">
-                <pr:smNativeData xmlns:pr="smNativeData" xmlns="smNativeData" val="SMDATA_16_jeCHZxMAAAAlAAAAZAAAAA8BAAAAkAAAAEgAAACQAAAASAAAAAAAAAABAAAAAAAAAAEAAABQAAAAAAAAAAAA4D8AAAAAAADgPwAAAAAAAOA/AAAAAAAA4D8AAAAAAADgPwAAAAAAAOA/AAAAAAAA4D8AAAAAAADgPwAAAAAAAOA/AAAAAAAA4D8CAAAAjAAAAAAAAAAAAAAAu+DjDP///wgAAAAAAAAAAAAAAAAAAAAAAAAAAAAAAAAAAAAAZAAAAAEAAABAAAAAAAAAAAAAAAAAAAAAAAAAAAAAAAAAAAAAAAAAAAAAAAAAAAAAAAAAAAAAAAAAAAAAAAAAAAAAAAAAAAAAAAAAAAAAAAAAAAAAAAAAAAAAAAAAAAAAFAAAADwAAAAAAAAAAAAAAAAAAAkUAAAAAQAAABQAAAAUAAAAFAAAAAEAAAAAAAAAZAAAAGQAAAAAAAAAZAAAAGQAAAAVAAAAYAAAAAAAAAAAAAAADwAAACADAAAAAAAAAAAAAAEAAACgMgAAVgcAAKr4//8BAAAAf39/AAEAAABkAAAAAAAAABQAAABAHwAAAAAAACYAAAAAAAAAwOD//wAAAAAmAAAAZAAAABYAAABMAAAAAAAAAAAAAAAEAAAAAAAAAAEAAACAgIAKAAAAACgAAAAoAAAAZAAAAGQAAAAAAAAAzMzMAAAAAABQAAAAUAAAAGQAAABkAAAAAAAAABcAAAAUAAAAAAAAAAAAAAD/fwAA/38AAAAAAAAJAAAABAAAANw7IAEeAAAAaAAAAAAAAAAAAAAAAAAAAAAAAAAAAAAAECcAABAnAAAAAAAAAAAAAAAAAAAAAAAAAAAAAAAAAAAAAAAAAAAAABQAAAAAAAAAwMD/AAAAAABkAAAAMgAAAAAAAABkAAAAAAAAAH9/fwAKAAAAIgAAABgAAAAAAAAAAAAAAAAAAAAAAAAAAAAAAAAAAAAkAAAAJAAAAAAAAAAHAAAAAAAAAAAAAAAAAAAAAAAAAAAAAAAAAAAAf39/ACUAAABYAAAAAAAAAAAAAAAAAAAAAAAAAAAAAAAAAAAAAAAAAAAAAAAAAAAAAAAAAAAAAAA/AAAAAAAAAKCGAQAAAAAAAAAAAAAAAAAMAAAAAQAAAAAAAAAAAAAAAAAAAB8AAABUAAAAAAAABQAAAAEAAAAAAAAAAAAAAAAAAAAAAAAAAAAAAAAAAAAAAAAAAAAAAAJ/f38AAAAAA8zMzADAwP8Af39/AAAAAAAAAAAAAAAAAAAAAAAAAAAAIQAAABgAAAAUAAAAwTUAABsnAABARwAAWSkAABAAAAAmAAAACAAAAAAAAAAAAAAAMAAAABQAAAAAAAAAAAD//wAAAQAAAP//AAABAA=="/>
+                <pr:smNativeData xmlns:pr="smNativeData" xmlns="smNativeData" val="SMDATA_16_oViJZxMAAAAlAAAAZAAAAA8BAAAAkAAAAEgAAACQAAAASAAAAAAAAAABAAAAAAAAAAEAAABQAAAAAAAAAAAA4D8AAAAAAADgPwAAAAAAAOA/AAAAAAAA4D8AAAAAAADgPwAAAAAAAOA/AAAAAAAA4D8AAAAAAADgPwAAAAAAAOA/AAAAAAAA4D8CAAAAjAAAAAAAAAAAAAAAu+DjDP///wgAAAAAAAAAAAAAAAAAAAAAAAAAAAAAAAAAAAAAZAAAAAEAAABAAAAAAAAAAAAAAAAAAAAAAAAAAAAAAAAAAAAAAAAAAAAAAAAAAAAAAAAAAAAAAAAAAAAAAAAAAAAAAAAAAAAAAAAAAAAAAAAAAAAAAAAAAAAAAAAAAAAAFAAAADwAAAAAAAAAAAAAAAAAAAkUAAAAAQAAABQAAAAUAAAAFAAAAAEAAAAAAAAAZAAAAGQAAAAAAAAAZAAAAGQAAAAVAAAAYAAAAAAAAAAAAAAADwAAACADAAAAAAAAAAAAAAEAAACgMgAAVgcAAKr4//8BAAAAf39/AAEAAABkAAAAAAAAABQAAABAHwAAAAAAACYAAAAAAAAAwOD//wAAAAAmAAAAZAAAABYAAABMAAAAAAAAAAAAAAAEAAAAAAAAAAEAAACAgIAKAAAAACgAAAAoAAAAZAAAAGQAAAAAAAAAzMzMAAAAAABQAAAAUAAAAGQAAABkAAAAAAAAABcAAAAUAAAAAAAAAAAAAAD/fwAA/38AAAAAAAAJAAAABAAAANw7IAEeAAAAaAAAAAAAAAAAAAAAAAAAAAAAAAAAAAAAECcAABAnAAAAAAAAAAAAAAAAAAAAAAAAAAAAAAAAAAAAAAAAAAAAABQAAAAAAAAAwMD/AAAAAABkAAAAMgAAAAAAAABkAAAAAAAAAH9/fwAKAAAAIgAAABgAAAAAAAAAAAAAAAAAAAAAAAAAAAAAAAAAAAAkAAAAJAAAAAAAAAAHAAAAAAAAAAAAAAAAAAAAAAAAAAAAAAAAAAAAf39/ACUAAABYAAAAAAAAAAAAAAAAAAAAAAAAAAAAAAAAAAAAAAAAAAAAAAAAAAAAAAAAAAAAAAA/AAAAAAAAAKCGAQAAAAAAAAAAAAAAAAAMAAAAAQAAAAAAAAAAAAAAAAAAAB8AAABUAAAAAAAABQAAAAEAAAAAAAAAAAAAAAAAAAAAAAAAAAAAAAAAAAAAAAAAAAAAAAJ/f38AAAAAA8zMzADAwP8Af39/AAAAAAAAAAAAAAAAAAAAAAAAAAAAIQAAABgAAAAUAAAAwTUAABsnAABARwAAWSkAABAAAAAmAAAACAAAAAAAAAAAAAAAMAAAABQAAAAAAAAAAAD//wAAAQAAAP//AAABAA=="/>
               </a:ext>
             </a:extLst>
           </p:cNvSpPr>
@@ -1185,7 +1185,7 @@
           <a:lstStyle/>
           <a:p>
             <a:pPr/>
-            <a:fld id="{3D25A1C2-8CD0-7057-9E9D-7A02EFD3682F}" type="slidenum">
+            <a:fld id="{3D8E1E5F-11D0-DBE8-9E36-E7BD507868B2}" type="slidenum">
               <a:t/>
             </a:fld>
           </a:p>
@@ -1224,7 +1224,7 @@
             <a:spLocks noGrp="1" noChangeArrowheads="1"/>
             <a:extLst>
               <a:ext uri="smNativeData">
-                <pr:smNativeData xmlns:pr="smNativeData" xmlns="smNativeData" val="SMDATA_16_jeCHZxMAAAAlAAAAZAAAAA8BAAAAkAAAAEgAAACQAAAASAAAAAAAAAABAAAAAAAAAAEAAABQAAAAAAAAAAAA4D8AAAAAAADgPwAAAAAAAOA/AAAAAAAA4D8AAAAAAADgPwAAAAAAAOA/AAAAAAAA4D8AAAAAAADgPwAAAAAAAOA/AAAAAAAA4D8CAAAAjAAAAAAAAAAAAAAAu+DjDP///wgAAAAAAAAAAAAAAAAAAAAAAAAAAAAAAAAAAAAAZAAAAAEAAABAAAAAAAAAAAAAAAAAAAAAAAAAAAAAAAAAAAAAAAAAAAAAAAAAAAAAAAAAAAAAAAAAAAAAAAAAAAAAAAAAAAAAAAAAAAAAAAAAAAAAAAAAAAAAAAAAAAAAFAAAADwAAAAAAAAAAAAAAAAAAAkUAAAAAQAAABQAAAAUAAAAFAAAAAEAAAAAAAAAZAAAAGQAAAAAAAAAZAAAAGQAAAAVAAAAYAAAAAAAAAAAAAAADwAAACADAAAAAAAAAAAAAAEAAACgMgAAVgcAAKr4//8BAAAAf39/AAEAAABkAAAAAAAAABQAAABAHwAAAAAAACYAAAAAAAAAwOD//wAAAAAmAAAAZAAAABYAAABMAAAAAAAAAAAAAAAEAAAAAAAAAAEAAACAgIAKAAAAACgAAAAoAAAAZAAAAGQAAAAAAAAAzMzMAAAAAABQAAAAUAAAAGQAAABkAAAAAAAAABcAAAAUAAAAAAAAAAAAAAD/fwAA/38AAAAAAAAJAAAABAAAANw7IAEeAAAAaAAAAAAAAAAAAAAAAAAAAAAAAAAAAAAAECcAABAnAAAAAAAAAAAAAAAAAAAAAAAAAAAAAAAAAAAAAAAAAAAAABQAAAAAAAAAwMD/AAAAAABkAAAAMgAAAAAAAABkAAAAAAAAAH9/fwAKAAAAIgAAABgAAAAAAAAAAAAAAAAAAAAAAAAAAAAAAAAAAAAkAAAAJAAAAAAAAAAHAAAAAAAAAAAAAAAAAAAAAAAAAAAAAAAAAAAAf39/ACUAAABYAAAAAAAAAAAAAAAAAAAAAAAAAAAAAAAAAAAAAAAAAAAAAAAAAAAAAAAAAAAAAAA/AAAAAAAAAKCGAQAAAAAAAAAAAAAAAAAMAAAAAQAAAAAAAAAAAAAAAAAAAB8AAABUAAAAAAAABQAAAAEAAAAAAAAAAAAAAAAAAAAAAAAAAAAAAAAAAAAAAAAAAAAAAAJ/f38AAAAAA8zMzADAwP8Af39/AAAAAAAAAAAAAAAAAAAAAAAAAAAAIQAAABgAAAAUAAAAwAMAALABAABARwAAuAgAABAAAAAmAAAACAAAAAAAAAAAAAAAMAAAABQAAAAAAAAAAAD//wAAAQAAAP//AAABAA=="/>
+                <pr:smNativeData xmlns:pr="smNativeData" xmlns="smNativeData" val="SMDATA_16_oViJZxMAAAAlAAAAZAAAAA8BAAAAkAAAAEgAAACQAAAASAAAAAAAAAABAAAAAAAAAAEAAABQAAAAAAAAAAAA4D8AAAAAAADgPwAAAAAAAOA/AAAAAAAA4D8AAAAAAADgPwAAAAAAAOA/AAAAAAAA4D8AAAAAAADgPwAAAAAAAOA/AAAAAAAA4D8CAAAAjAAAAAAAAAAAAAAAu+DjDP///wgAAAAAAAAAAAAAAAAAAAAAAAAAAAAAAAAAAAAAZAAAAAEAAABAAAAAAAAAAAAAAAAAAAAAAAAAAAAAAAAAAAAAAAAAAAAAAAAAAAAAAAAAAAAAAAAAAAAAAAAAAAAAAAAAAAAAAAAAAAAAAAAAAAAAAAAAAAAAAAAAAAAAFAAAADwAAAAAAAAAAAAAAAAAAAkUAAAAAQAAABQAAAAUAAAAFAAAAAEAAAAAAAAAZAAAAGQAAAAAAAAAZAAAAGQAAAAVAAAAYAAAAAAAAAAAAAAADwAAACADAAAAAAAAAAAAAAEAAACgMgAAVgcAAKr4//8BAAAAf39/AAEAAABkAAAAAAAAABQAAABAHwAAAAAAACYAAAAAAAAAwOD//wAAAAAmAAAAZAAAABYAAABMAAAAAAAAAAAAAAAEAAAAAAAAAAEAAACAgIAKAAAAACgAAAAoAAAAZAAAAGQAAAAAAAAAzMzMAAAAAABQAAAAUAAAAGQAAABkAAAAAAAAABcAAAAUAAAAAAAAAAAAAAD/fwAA/38AAAAAAAAJAAAABAAAANw7IAEeAAAAaAAAAAAAAAAAAAAAAAAAAAAAAAAAAAAAECcAABAnAAAAAAAAAAAAAAAAAAAAAAAAAAAAAAAAAAAAAAAAAAAAABQAAAAAAAAAwMD/AAAAAABkAAAAMgAAAAAAAABkAAAAAAAAAH9/fwAKAAAAIgAAABgAAAAAAAAAAAAAAAAAAAAAAAAAAAAAAAAAAAAkAAAAJAAAAAAAAAAHAAAAAAAAAAAAAAAAAAAAAAAAAAAAAAAAAAAAf39/ACUAAABYAAAAAAAAAAAAAAAAAAAAAAAAAAAAAAAAAAAAAAAAAAAAAAAAAAAAAAAAAAAAAAA/AAAAAAAAAKCGAQAAAAAAAAAAAAAAAAAMAAAAAQAAAAAAAAAAAAAAAAAAAB8AAABUAAAAAAAABQAAAAEAAAAAAAAAAAAAAAAAAAAAAAAAAAAAAAAAAAAAAAAAAAAAAAJ/f38AAAAAA8zMzADAwP8Af39/AAAAAAAAAAAAAAAAAAAAAAAAAAAAIQAAABgAAAAUAAAAwAMAALABAABARwAAuAgAABAAAAAmAAAACAAAAAAAAAAAAAAAMAAAABQAAAAAAAAAAAD//wAAAQAAAP//AAABAA=="/>
               </a:ext>
             </a:extLst>
           </p:cNvSpPr>
@@ -1251,7 +1251,7 @@
             <a:spLocks noGrp="1" noChangeArrowheads="1"/>
             <a:extLst>
               <a:ext uri="smNativeData">
-                <pr:smNativeData xmlns:pr="smNativeData" xmlns="smNativeData" val="SMDATA_16_jeCHZxMAAAAlAAAAZAAAAA8BAAAAkAAAAEgAAACQAAAASAAAAAAAAAAAAAAAAAAAAAEAAABQAAAAAAAAAAAA4D8AAAAAAADgPwAAAAAAAOA/AAAAAAAA4D8AAAAAAADgPwAAAAAAAOA/AAAAAAAA4D8AAAAAAADgPwAAAAAAAOA/AAAAAAAA4D8CAAAAjAAAAAAAAAAAAAAAu+DjDP///wgAAAAAAAAAAAAAAAAAAAAAAAAAAAAAAAAAAAAAZAAAAAEAAABAAAAAAAAAAAAAAAAAAAAAAAAAAAAAAAAAAAAAAAAAAAAAAAAAAAAAAAAAAAAAAAAAAAAAAAAAAAAAAAAAAAAAAAAAAAAAAAAAAAAAAAAAAAAAAAAAAAAAFAAAADwAAAAAAAAAAAAAAAAAAAkUAAAAAQAAABQAAAAUAAAAFAAAAAEAAAAAAAAAZAAAAGQAAAAAAAAAZAAAAGQAAAAVAAAAYAAAAAAAAAAAAAAADwAAACADAAAAAAAAAAAAAAEAAACgMgAAVgcAAKr4//8BAAAAf39/AAEAAABkAAAAAAAAABQAAABAHwAAAAAAACYAAAAAAAAAwOD//wAAAAAmAAAAZAAAABYAAABMAAAAAAAAAAAAAAAEAAAAAAAAAAEAAACAgIAKAAAAACgAAAAoAAAAZAAAAGQAAAAAAAAAzMzMAAAAAABQAAAAUAAAAGQAAABkAAAAAAAAABcAAAAUAAAAAAAAAAAAAAD/fwAA/38AAAAAAAAJAAAABAAAANw7IAEeAAAAaAAAAAAAAAAAAAAAAAAAAAAAAAAAAAAAECcAABAnAAAAAAAAAAAAAAAAAAAAAAAAAAAAAAAAAAAAAAAAAAAAABQAAAAAAAAAwMD/AAAAAABkAAAAMgAAAAAAAABkAAAAAAAAAH9/fwAKAAAAIgAAABgAAAAAAAAAAAAAAAAAAAAAAAAAAAAAAAAAAAAkAAAAJAAAAAAAAAAHAAAAAAAAAAAAAAAAAAAAAAAAAAAAAAAAAAAAf39/ACUAAABYAAAAAAAAAAAAAAAAAAAAAAAAAAAAAAAAAAAAAAAAAAAAAAAAAAAAAAAAAAAAAAA/AAAAAAAAAKCGAQAAAAAAAAAAAAAAAAAMAAAAAQAAAAAAAAAAAAAAAAAAAB8AAABUAAAAAAAABQAAAAEAAAAAAAAAAAAAAAAAAAAAAAAAAAAAAAAAAAAAAAAAAAAAAAJ/f38AAAAAA8zMzADAwP8Af39/AAAAAAAAAAAAAAAAAAAAAAAAAAAAIQAAABgAAAAUAAAAwAMAANgJAADhJAAAsCUAABAAAAAmAAAACAAAAAGAAAAAAAAAMAAAABQAAAAAAAAAAAD//wAAAQAAAP//AAABAA=="/>
+                <pr:smNativeData xmlns:pr="smNativeData" xmlns="smNativeData" val="SMDATA_16_oViJZxMAAAAlAAAAZAAAAA8BAAAAkAAAAEgAAACQAAAASAAAAAAAAAAAAAAAAAAAAAEAAABQAAAAAAAAAAAA4D8AAAAAAADgPwAAAAAAAOA/AAAAAAAA4D8AAAAAAADgPwAAAAAAAOA/AAAAAAAA4D8AAAAAAADgPwAAAAAAAOA/AAAAAAAA4D8CAAAAjAAAAAAAAAAAAAAAu+DjDP///wgAAAAAAAAAAAAAAAAAAAAAAAAAAAAAAAAAAAAAZAAAAAEAAABAAAAAAAAAAAAAAAAAAAAAAAAAAAAAAAAAAAAAAAAAAAAAAAAAAAAAAAAAAAAAAAAAAAAAAAAAAAAAAAAAAAAAAAAAAAAAAAAAAAAAAAAAAAAAAAAAAAAAFAAAADwAAAAAAAAAAAAAAAAAAAkUAAAAAQAAABQAAAAUAAAAFAAAAAEAAAAAAAAAZAAAAGQAAAAAAAAAZAAAAGQAAAAVAAAAYAAAAAAAAAAAAAAADwAAACADAAAAAAAAAAAAAAEAAACgMgAAVgcAAKr4//8BAAAAf39/AAEAAABkAAAAAAAAABQAAABAHwAAAAAAACYAAAAAAAAAwOD//wAAAAAmAAAAZAAAABYAAABMAAAAAAAAAAAAAAAEAAAAAAAAAAEAAACAgIAKAAAAACgAAAAoAAAAZAAAAGQAAAAAAAAAzMzMAAAAAABQAAAAUAAAAGQAAABkAAAAAAAAABcAAAAUAAAAAAAAAAAAAAD/fwAA/38AAAAAAAAJAAAABAAAANw7IAEeAAAAaAAAAAAAAAAAAAAAAAAAAAAAAAAAAAAAECcAABAnAAAAAAAAAAAAAAAAAAAAAAAAAAAAAAAAAAAAAAAAAAAAABQAAAAAAAAAwMD/AAAAAABkAAAAMgAAAAAAAABkAAAAAAAAAH9/fwAKAAAAIgAAABgAAAAAAAAAAAAAAAAAAAAAAAAAAAAAAAAAAAAkAAAAJAAAAAAAAAAHAAAAAAAAAAAAAAAAAAAAAAAAAAAAAAAAAAAAf39/ACUAAABYAAAAAAAAAAAAAAAAAAAAAAAAAAAAAAAAAAAAAAAAAAAAAAAAAAAAAAAAAAAAAAA/AAAAAAAAAKCGAQAAAAAAAAAAAAAAAAAMAAAAAQAAAAAAAAAAAAAAAAAAAB8AAABUAAAAAAAABQAAAAEAAAAAAAAAAAAAAAAAAAAAAAAAAAAAAAAAAAAAAAAAAAAAAAJ/f38AAAAAA8zMzADAwP8Af39/AAAAAAAAAAAAAAAAAAAAAAAAAAAAIQAAABgAAAAUAAAAwAMAANgJAADhJAAAsCUAABAAAAAmAAAACAAAAAGAAAAAAAAAMAAAABQAAAAAAAAAAAD//wAAAQAAAP//AAABAA=="/>
               </a:ext>
             </a:extLst>
           </p:cNvSpPr>
@@ -1335,7 +1335,7 @@
             <a:spLocks noGrp="1" noChangeArrowheads="1"/>
             <a:extLst>
               <a:ext uri="smNativeData">
-                <pr:smNativeData xmlns:pr="smNativeData" xmlns="smNativeData" val="SMDATA_16_jeCHZxMAAAAlAAAAZAAAAA8BAAAAkAAAAEgAAACQAAAASAAAAAAAAAAAAAAAAAAAAAEAAABQAAAAAAAAAAAA4D8AAAAAAADgPwAAAAAAAOA/AAAAAAAA4D8AAAAAAADgPwAAAAAAAOA/AAAAAAAA4D8AAAAAAADgPwAAAAAAAOA/AAAAAAAA4D8CAAAAjAAAAAAAAAAAAAAAu+DjDP///wgAAAAAAAAAAAAAAAAAAAAAAAAAAAAAAAAAAAAAZAAAAAEAAABAAAAAAAAAAAAAAAAAAAAAAAAAAAAAAAAAAAAAAAAAAAAAAAAAAAAAAAAAAAAAAAAAAAAAAAAAAAAAAAAAAAAAAAAAAAAAAAAAAAAAAAAAAAAAAAAAAAAAFAAAADwAAAAAAAAAAAAAAAAAAAkUAAAAAQAAABQAAAAUAAAAFAAAAAEAAAAAAAAAZAAAAGQAAAAAAAAAZAAAAGQAAAAVAAAAYAAAAAAAAAAAAAAADwAAACADAAAAAAAAAAAAAAEAAACgMgAAVgcAAKr4//8BAAAAf39/AAEAAABkAAAAAAAAABQAAABAHwAAAAAAACYAAAAAAAAAwOD//wAAAAAmAAAAZAAAABYAAABMAAAAAAAAAAAAAAAEAAAAAAAAAAEAAACAgIAKAAAAACgAAAAoAAAAZAAAAGQAAAAAAAAAzMzMAAAAAABQAAAAUAAAAGQAAABkAAAAAAAAABcAAAAUAAAAAAAAAAAAAAD/fwAA/38AAAAAAAAJAAAABAAAANw7IAEeAAAAaAAAAAAAAAAAAAAAAAAAAAAAAAAAAAAAECcAABAnAAAAAAAAAAAAAAAAAAAAAAAAAAAAAAAAAAAAAAAAAAAAABQAAAAAAAAAwMD/AAAAAABkAAAAMgAAAAAAAABkAAAAAAAAAH9/fwAKAAAAIgAAABgAAAAAAAAAAAAAAAAAAAAAAAAAAAAAAAAAAAAkAAAAJAAAAAAAAAAHAAAAAAAAAAAAAAAAAAAAAAAAAAAAAAAAAAAAf39/ACUAAABYAAAAAAAAAAAAAAAAAAAAAAAAAAAAAAAAAAAAAAAAAAAAAAAAAAAAAAAAAAAAAAA/AAAAAAAAAKCGAQAAAAAAAAAAAAAAAAAMAAAAAQAAAAAAAAAAAAAAAAAAAB8AAABUAAAAAAAABQAAAAEAAAAAAAAAAAAAAAAAAAAAAAAAAAAAAAAAAAAAAAAAAAAAAAJ/f38AAAAAA8zMzADAwP8Af39/AAAAAAAAAAAAAAAAAAAAAAAAAAAAIQAAABgAAAAUAAAAHyYAANgJAABARwAAsCUAABAAAAAmAAAACAAAAAGAAAAAAAAAMAAAABQAAAAAAAAAAAD//wAAAQAAAP//AAABAA=="/>
+                <pr:smNativeData xmlns:pr="smNativeData" xmlns="smNativeData" val="SMDATA_16_oViJZxMAAAAlAAAAZAAAAA8BAAAAkAAAAEgAAACQAAAASAAAAAAAAAAAAAAAAAAAAAEAAABQAAAAAAAAAAAA4D8AAAAAAADgPwAAAAAAAOA/AAAAAAAA4D8AAAAAAADgPwAAAAAAAOA/AAAAAAAA4D8AAAAAAADgPwAAAAAAAOA/AAAAAAAA4D8CAAAAjAAAAAAAAAAAAAAAu+DjDP///wgAAAAAAAAAAAAAAAAAAAAAAAAAAAAAAAAAAAAAZAAAAAEAAABAAAAAAAAAAAAAAAAAAAAAAAAAAAAAAAAAAAAAAAAAAAAAAAAAAAAAAAAAAAAAAAAAAAAAAAAAAAAAAAAAAAAAAAAAAAAAAAAAAAAAAAAAAAAAAAAAAAAAFAAAADwAAAAAAAAAAAAAAAAAAAkUAAAAAQAAABQAAAAUAAAAFAAAAAEAAAAAAAAAZAAAAGQAAAAAAAAAZAAAAGQAAAAVAAAAYAAAAAAAAAAAAAAADwAAACADAAAAAAAAAAAAAAEAAACgMgAAVgcAAKr4//8BAAAAf39/AAEAAABkAAAAAAAAABQAAABAHwAAAAAAACYAAAAAAAAAwOD//wAAAAAmAAAAZAAAABYAAABMAAAAAAAAAAAAAAAEAAAAAAAAAAEAAACAgIAKAAAAACgAAAAoAAAAZAAAAGQAAAAAAAAAzMzMAAAAAABQAAAAUAAAAGQAAABkAAAAAAAAABcAAAAUAAAAAAAAAAAAAAD/fwAA/38AAAAAAAAJAAAABAAAANw7IAEeAAAAaAAAAAAAAAAAAAAAAAAAAAAAAAAAAAAAECcAABAnAAAAAAAAAAAAAAAAAAAAAAAAAAAAAAAAAAAAAAAAAAAAABQAAAAAAAAAwMD/AAAAAABkAAAAMgAAAAAAAABkAAAAAAAAAH9/fwAKAAAAIgAAABgAAAAAAAAAAAAAAAAAAAAAAAAAAAAAAAAAAAAkAAAAJAAAAAAAAAAHAAAAAAAAAAAAAAAAAAAAAAAAAAAAAAAAAAAAf39/ACUAAABYAAAAAAAAAAAAAAAAAAAAAAAAAAAAAAAAAAAAAAAAAAAAAAAAAAAAAAAAAAAAAAA/AAAAAAAAAKCGAQAAAAAAAAAAAAAAAAAMAAAAAQAAAAAAAAAAAAAAAAAAAB8AAABUAAAAAAAABQAAAAEAAAAAAAAAAAAAAAAAAAAAAAAAAAAAAAAAAAAAAAAAAAAAAAJ/f38AAAAAA8zMzADAwP8Af39/AAAAAAAAAAAAAAAAAAAAAAAAAAAAIQAAABgAAAAUAAAAHyYAANgJAABARwAAsCUAABAAAAAmAAAACAAAAAGAAAAAAAAAMAAAABQAAAAAAAAAAAD//wAAAQAAAP//AAABAA=="/>
               </a:ext>
             </a:extLst>
           </p:cNvSpPr>
@@ -1419,7 +1419,7 @@
             <a:spLocks noGrp="1" noChangeArrowheads="1"/>
             <a:extLst>
               <a:ext uri="smNativeData">
-                <pr:smNativeData xmlns:pr="smNativeData" xmlns="smNativeData" val="SMDATA_16_jeCHZxMAAAAlAAAAZAAAAA8BAAAAkAAAAEgAAACQAAAASAAAAAAAAAABAAAAAAAAAAEAAABQAAAAAAAAAAAA4D8AAAAAAADgPwAAAAAAAOA/AAAAAAAA4D8AAAAAAADgPwAAAAAAAOA/AAAAAAAA4D8AAAAAAADgPwAAAAAAAOA/AAAAAAAA4D8CAAAAjAAAAAAAAAAAAAAAu+DjDP///wgAAAAAAAAAAAAAAAAAAAAAAAAAAAAAAAAAAAAAZAAAAAEAAABAAAAAAAAAAAAAAAAAAAAAAAAAAAAAAAAAAAAAAAAAAAAAAAAAAAAAAAAAAAAAAAAAAAAAAAAAAAAAAAAAAAAAAAAAAAAAAAAAAAAAAAAAAAAAAAAAAAAAFAAAADwAAAAAAAAAAAAAAAAAAAkUAAAAAQAAABQAAAAUAAAAFAAAAAEAAAAAAAAAZAAAAGQAAAAAAAAAZAAAAGQAAAAVAAAAYAAAAAAAAAAAAAAADwAAACADAAAAAAAAAAAAAAEAAACgMgAAVgcAAKr4//8BAAAAf39/AAEAAABkAAAAAAAAABQAAABAHwAAAAAAACYAAAAAAAAAwOD//wAAAAAmAAAAZAAAABYAAABMAAAAAAAAAAAAAAAEAAAAAAAAAAEAAACAgIAKAAAAACgAAAAoAAAAZAAAAGQAAAAAAAAAzMzMAAAAAABQAAAAUAAAAGQAAABkAAAAAAAAABcAAAAUAAAAAAAAAAAAAAD/fwAA/38AAAAAAAAJAAAABAAAANw7IAEeAAAAaAAAAAAAAAAAAAAAAAAAAAAAAAAAAAAAECcAABAnAAAAAAAAAAAAAAAAAAAAAAAAAAAAAAAAAAAAAAAAAAAAABQAAAAAAAAAwMD/AAAAAABkAAAAMgAAAAAAAABkAAAAAAAAAH9/fwAKAAAAIgAAABgAAAAAAAAAAAAAAAAAAAAAAAAAAAAAAAAAAAAkAAAAJAAAAAAAAAAHAAAAAAAAAAAAAAAAAAAAAAAAAAAAAAAAAAAAf39/ACUAAABYAAAAAAAAAAAAAAAAAAAAAAAAAAAAAAAAAAAAAAAAAAAAAAAAAAAAAAAAAAAAAAA/AAAAAAAAAKCGAQAAAAAAAAAAAAAAAAAMAAAAAQAAAAAAAAAAAAAAAAAAAB8AAABUAAAAAAAABQAAAAEAAAAAAAAAAAAAAAAAAAAAAAAAAAAAAAAAAAAAAAAAAAAAAAJ/f38AAAAAA8zMzADAwP8Af39/AAAAAAAAAAAAAAAAAAAAAAAAAAAAIQAAABgAAAAUAAAAwAMAABsnAAA/FQAAWSkAABAAAAAmAAAACAAAAAAAAAAAAAAAMAAAABQAAAAAAAAAAAD//wAAAQAAAP//AAABAA=="/>
+                <pr:smNativeData xmlns:pr="smNativeData" xmlns="smNativeData" val="SMDATA_16_oViJZxMAAAAlAAAAZAAAAA8BAAAAkAAAAEgAAACQAAAASAAAAAAAAAABAAAAAAAAAAEAAABQAAAAAAAAAAAA4D8AAAAAAADgPwAAAAAAAOA/AAAAAAAA4D8AAAAAAADgPwAAAAAAAOA/AAAAAAAA4D8AAAAAAADgPwAAAAAAAOA/AAAAAAAA4D8CAAAAjAAAAAAAAAAAAAAAu+DjDP///wgAAAAAAAAAAAAAAAAAAAAAAAAAAAAAAAAAAAAAZAAAAAEAAABAAAAAAAAAAAAAAAAAAAAAAAAAAAAAAAAAAAAAAAAAAAAAAAAAAAAAAAAAAAAAAAAAAAAAAAAAAAAAAAAAAAAAAAAAAAAAAAAAAAAAAAAAAAAAAAAAAAAAFAAAADwAAAAAAAAAAAAAAAAAAAkUAAAAAQAAABQAAAAUAAAAFAAAAAEAAAAAAAAAZAAAAGQAAAAAAAAAZAAAAGQAAAAVAAAAYAAAAAAAAAAAAAAADwAAACADAAAAAAAAAAAAAAEAAACgMgAAVgcAAKr4//8BAAAAf39/AAEAAABkAAAAAAAAABQAAABAHwAAAAAAACYAAAAAAAAAwOD//wAAAAAmAAAAZAAAABYAAABMAAAAAAAAAAAAAAAEAAAAAAAAAAEAAACAgIAKAAAAACgAAAAoAAAAZAAAAGQAAAAAAAAAzMzMAAAAAABQAAAAUAAAAGQAAABkAAAAAAAAABcAAAAUAAAAAAAAAAAAAAD/fwAA/38AAAAAAAAJAAAABAAAANw7IAEeAAAAaAAAAAAAAAAAAAAAAAAAAAAAAAAAAAAAECcAABAnAAAAAAAAAAAAAAAAAAAAAAAAAAAAAAAAAAAAAAAAAAAAABQAAAAAAAAAwMD/AAAAAABkAAAAMgAAAAAAAABkAAAAAAAAAH9/fwAKAAAAIgAAABgAAAAAAAAAAAAAAAAAAAAAAAAAAAAAAAAAAAAkAAAAJAAAAAAAAAAHAAAAAAAAAAAAAAAAAAAAAAAAAAAAAAAAAAAAf39/ACUAAABYAAAAAAAAAAAAAAAAAAAAAAAAAAAAAAAAAAAAAAAAAAAAAAAAAAAAAAAAAAAAAAA/AAAAAAAAAKCGAQAAAAAAAAAAAAAAAAAMAAAAAQAAAAAAAAAAAAAAAAAAAB8AAABUAAAAAAAABQAAAAEAAAAAAAAAAAAAAAAAAAAAAAAAAAAAAAAAAAAAAAAAAAAAAAJ/f38AAAAAA8zMzADAwP8Af39/AAAAAAAAAAAAAAAAAAAAAAAAAAAAIQAAABgAAAAUAAAAwAMAABsnAAA/FQAAWSkAABAAAAAmAAAACAAAAAAAAAAAAAAAMAAAABQAAAAAAAAAAAD//wAAAQAAAP//AAABAA=="/>
               </a:ext>
             </a:extLst>
           </p:cNvSpPr>
@@ -1433,7 +1433,7 @@
           <a:lstStyle/>
           <a:p>
             <a:pPr/>
-            <a:fld id="{3D25F5D7-99D0-7003-9E9D-6F56BBD3683A}" type="datetime1">
+            <a:fld id="{3D8E52BB-F5D0-DBA4-9E36-03F11C786856}" type="datetime1">
               <a:t/>
             </a:fld>
           </a:p>
@@ -1446,7 +1446,7 @@
             <a:spLocks noGrp="1" noChangeArrowheads="1"/>
             <a:extLst>
               <a:ext uri="smNativeData">
-                <pr:smNativeData xmlns:pr="smNativeData" xmlns="smNativeData" val="SMDATA_16_jeCHZxMAAAAlAAAAZAAAAA8BAAAAkAAAAEgAAACQAAAASAAAAAAAAAABAAAAAAAAAAEAAABQAAAAAAAAAAAA4D8AAAAAAADgPwAAAAAAAOA/AAAAAAAA4D8AAAAAAADgPwAAAAAAAOA/AAAAAAAA4D8AAAAAAADgPwAAAAAAAOA/AAAAAAAA4D8CAAAAjAAAAAAAAAAAAAAAu+DjDP///wgAAAAAAAAAAAAAAAAAAAAAAAAAAAAAAAAAAAAAZAAAAAEAAABAAAAAAAAAAAAAAAAAAAAAAAAAAAAAAAAAAAAAAAAAAAAAAAAAAAAAAAAAAAAAAAAAAAAAAAAAAAAAAAAAAAAAAAAAAAAAAAAAAAAAAAAAAAAAAAAAAAAAFAAAADwAAAAAAAAAAAAAAAAAAAkUAAAAAQAAABQAAAAUAAAAFAAAAAEAAAAAAAAAZAAAAGQAAAAAAAAAZAAAAGQAAAAVAAAAYAAAAAAAAAAAAAAADwAAACADAAAAAAAAAAAAAAEAAACgMgAAVgcAAKr4//8BAAAAf39/AAEAAABkAAAAAAAAABQAAABAHwAAAAAAACYAAAAAAAAAwOD//wAAAAAmAAAAZAAAABYAAABMAAAAAAAAAAAAAAAEAAAAAAAAAAEAAACAgIAKAAAAACgAAAAoAAAAZAAAAGQAAAAAAAAAzMzMAAAAAABQAAAAUAAAAGQAAABkAAAAAAAAABcAAAAUAAAAAAAAAAAAAAD/fwAA/38AAAAAAAAJAAAABAAAANw7IAEeAAAAaAAAAAAAAAAAAAAAAAAAAAAAAAAAAAAAECcAABAnAAAAAAAAAAAAAAAAAAAAAAAAAAAAAAAAAAAAAAAAAAAAABQAAAAAAAAAwMD/AAAAAABkAAAAMgAAAAAAAABkAAAAAAAAAH9/fwAKAAAAIgAAABgAAAAAAAAAAAAAAAAAAAAAAAAAAAAAAAAAAAAkAAAAJAAAAAAAAAAHAAAAAAAAAAAAAAAAAAAAAAAAAAAAAAAAAAAAf39/ACUAAABYAAAAAAAAAAAAAAAAAAAAAAAAAAAAAAAAAAAAAAAAAAAAAAAAAAAAAAAAAAAAAAA/AAAAAAAAAKCGAQAAAAAAAAAAAAAAAAAMAAAAAQAAAAAAAAAAAAAAAAAAAB8AAABUAAAAAAAABQAAAAEAAAAAAAAAAAAAAAAAAAAAAAAAAAAAAAAAAAAAAAAAAAAAAAJ/f38AAAAAA8zMzADAwP8Af39/AAAAAAAAAAAAAAAAAAAAAAAAAAAAIQAAABgAAAAUAAAAoRkAABsnAABfMQAAWSkAABAAAAAmAAAACAAAAAAAAAAAAAAAMAAAABQAAAAAAAAAAAD//wAAAQAAAP//AAABAA=="/>
+                <pr:smNativeData xmlns:pr="smNativeData" xmlns="smNativeData" val="SMDATA_16_oViJZxMAAAAlAAAAZAAAAA8BAAAAkAAAAEgAAACQAAAASAAAAAAAAAABAAAAAAAAAAEAAABQAAAAAAAAAAAA4D8AAAAAAADgPwAAAAAAAOA/AAAAAAAA4D8AAAAAAADgPwAAAAAAAOA/AAAAAAAA4D8AAAAAAADgPwAAAAAAAOA/AAAAAAAA4D8CAAAAjAAAAAAAAAAAAAAAu+DjDP///wgAAAAAAAAAAAAAAAAAAAAAAAAAAAAAAAAAAAAAZAAAAAEAAABAAAAAAAAAAAAAAAAAAAAAAAAAAAAAAAAAAAAAAAAAAAAAAAAAAAAAAAAAAAAAAAAAAAAAAAAAAAAAAAAAAAAAAAAAAAAAAAAAAAAAAAAAAAAAAAAAAAAAFAAAADwAAAAAAAAAAAAAAAAAAAkUAAAAAQAAABQAAAAUAAAAFAAAAAEAAAAAAAAAZAAAAGQAAAAAAAAAZAAAAGQAAAAVAAAAYAAAAAAAAAAAAAAADwAAACADAAAAAAAAAAAAAAEAAACgMgAAVgcAAKr4//8BAAAAf39/AAEAAABkAAAAAAAAABQAAABAHwAAAAAAACYAAAAAAAAAwOD//wAAAAAmAAAAZAAAABYAAABMAAAAAAAAAAAAAAAEAAAAAAAAAAEAAACAgIAKAAAAACgAAAAoAAAAZAAAAGQAAAAAAAAAzMzMAAAAAABQAAAAUAAAAGQAAABkAAAAAAAAABcAAAAUAAAAAAAAAAAAAAD/fwAA/38AAAAAAAAJAAAABAAAANw7IAEeAAAAaAAAAAAAAAAAAAAAAAAAAAAAAAAAAAAAECcAABAnAAAAAAAAAAAAAAAAAAAAAAAAAAAAAAAAAAAAAAAAAAAAABQAAAAAAAAAwMD/AAAAAABkAAAAMgAAAAAAAABkAAAAAAAAAH9/fwAKAAAAIgAAABgAAAAAAAAAAAAAAAAAAAAAAAAAAAAAAAAAAAAkAAAAJAAAAAAAAAAHAAAAAAAAAAAAAAAAAAAAAAAAAAAAAAAAAAAAf39/ACUAAABYAAAAAAAAAAAAAAAAAAAAAAAAAAAAAAAAAAAAAAAAAAAAAAAAAAAAAAAAAAAAAAA/AAAAAAAAAKCGAQAAAAAAAAAAAAAAAAAMAAAAAQAAAAAAAAAAAAAAAAAAAB8AAABUAAAAAAAABQAAAAEAAAAAAAAAAAAAAAAAAAAAAAAAAAAAAAAAAAAAAAAAAAAAAAJ/f38AAAAAA8zMzADAwP8Af39/AAAAAAAAAAAAAAAAAAAAAAAAAAAAIQAAABgAAAAUAAAAoRkAABsnAABfMQAAWSkAABAAAAAmAAAACAAAAAAAAAAAAAAAMAAAABQAAAAAAAAAAAD//wAAAQAAAP//AAABAA=="/>
               </a:ext>
             </a:extLst>
           </p:cNvSpPr>
@@ -1470,7 +1470,7 @@
             <a:spLocks noGrp="1" noChangeArrowheads="1"/>
             <a:extLst>
               <a:ext uri="smNativeData">
-                <pr:smNativeData xmlns:pr="smNativeData" xmlns="smNativeData" val="SMDATA_16_jeCHZxMAAAAlAAAAZAAAAA8BAAAAkAAAAEgAAACQAAAASAAAAAAAAAABAAAAAAAAAAEAAABQAAAAAAAAAAAA4D8AAAAAAADgPwAAAAAAAOA/AAAAAAAA4D8AAAAAAADgPwAAAAAAAOA/AAAAAAAA4D8AAAAAAADgPwAAAAAAAOA/AAAAAAAA4D8CAAAAjAAAAAAAAAAAAAAAu+DjDP///wgAAAAAAAAAAAAAAAAAAAAAAAAAAAAAAAAAAAAAZAAAAAEAAABAAAAAAAAAAAAAAAAAAAAAAAAAAAAAAAAAAAAAAAAAAAAAAAAAAAAAAAAAAAAAAAAAAAAAAAAAAAAAAAAAAAAAAAAAAAAAAAAAAAAAAAAAAAAAAAAAAAAAFAAAADwAAAAAAAAAAAAAAAAAAAkUAAAAAQAAABQAAAAUAAAAFAAAAAEAAAAAAAAAZAAAAGQAAAAAAAAAZAAAAGQAAAAVAAAAYAAAAAAAAAAAAAAADwAAACADAAAAAAAAAAAAAAEAAACgMgAAVgcAAKr4//8BAAAAf39/AAEAAABkAAAAAAAAABQAAABAHwAAAAAAACYAAAAAAAAAwOD//wAAAAAmAAAAZAAAABYAAABMAAAAAAAAAAAAAAAEAAAAAAAAAAEAAACAgIAKAAAAACgAAAAoAAAAZAAAAGQAAAAAAAAAzMzMAAAAAABQAAAAUAAAAGQAAABkAAAAAAAAABcAAAAUAAAAAAAAAAAAAAD/fwAA/38AAAAAAAAJAAAABAAAANw7IAEeAAAAaAAAAAAAAAAAAAAAAAAAAAAAAAAAAAAAECcAABAnAAAAAAAAAAAAAAAAAAAAAAAAAAAAAAAAAAAAAAAAAAAAABQAAAAAAAAAwMD/AAAAAABkAAAAMgAAAAAAAABkAAAAAAAAAH9/fwAKAAAAIgAAABgAAAAAAAAAAAAAAAAAAAAAAAAAAAAAAAAAAAAkAAAAJAAAAAAAAAAHAAAAAAAAAAAAAAAAAAAAAAAAAAAAAAAAAAAAf39/ACUAAABYAAAAAAAAAAAAAAAAAAAAAAAAAAAAAAAAAAAAAAAAAAAAAAAAAAAAAAAAAAAAAAA/AAAAAAAAAKCGAQAAAAAAAAAAAAAAAAAMAAAAAQAAAAAAAAAAAAAAAAAAAB8AAABUAAAAAAAABQAAAAEAAAAAAAAAAAAAAAAAAAAAAAAAAAAAAAAAAAAAAAAAAAAAAAJ/f38AAAAAA8zMzADAwP8Af39/AAAAAAAAAAAAAAAAAAAAAAAAAAAAIQAAABgAAAAUAAAAwTUAABsnAABARwAAWSkAABAAAAAmAAAACAAAAAAAAAAAAAAAMAAAABQAAAAAAAAAAAD//wAAAQAAAP//AAABAA=="/>
+                <pr:smNativeData xmlns:pr="smNativeData" xmlns="smNativeData" val="SMDATA_16_oViJZxMAAAAlAAAAZAAAAA8BAAAAkAAAAEgAAACQAAAASAAAAAAAAAABAAAAAAAAAAEAAABQAAAAAAAAAAAA4D8AAAAAAADgPwAAAAAAAOA/AAAAAAAA4D8AAAAAAADgPwAAAAAAAOA/AAAAAAAA4D8AAAAAAADgPwAAAAAAAOA/AAAAAAAA4D8CAAAAjAAAAAAAAAAAAAAAu+DjDP///wgAAAAAAAAAAAAAAAAAAAAAAAAAAAAAAAAAAAAAZAAAAAEAAABAAAAAAAAAAAAAAAAAAAAAAAAAAAAAAAAAAAAAAAAAAAAAAAAAAAAAAAAAAAAAAAAAAAAAAAAAAAAAAAAAAAAAAAAAAAAAAAAAAAAAAAAAAAAAAAAAAAAAFAAAADwAAAAAAAAAAAAAAAAAAAkUAAAAAQAAABQAAAAUAAAAFAAAAAEAAAAAAAAAZAAAAGQAAAAAAAAAZAAAAGQAAAAVAAAAYAAAAAAAAAAAAAAADwAAACADAAAAAAAAAAAAAAEAAACgMgAAVgcAAKr4//8BAAAAf39/AAEAAABkAAAAAAAAABQAAABAHwAAAAAAACYAAAAAAAAAwOD//wAAAAAmAAAAZAAAABYAAABMAAAAAAAAAAAAAAAEAAAAAAAAAAEAAACAgIAKAAAAACgAAAAoAAAAZAAAAGQAAAAAAAAAzMzMAAAAAABQAAAAUAAAAGQAAABkAAAAAAAAABcAAAAUAAAAAAAAAAAAAAD/fwAA/38AAAAAAAAJAAAABAAAANw7IAEeAAAAaAAAAAAAAAAAAAAAAAAAAAAAAAAAAAAAECcAABAnAAAAAAAAAAAAAAAAAAAAAAAAAAAAAAAAAAAAAAAAAAAAABQAAAAAAAAAwMD/AAAAAABkAAAAMgAAAAAAAABkAAAAAAAAAH9/fwAKAAAAIgAAABgAAAAAAAAAAAAAAAAAAAAAAAAAAAAAAAAAAAAkAAAAJAAAAAAAAAAHAAAAAAAAAAAAAAAAAAAAAAAAAAAAAAAAAAAAf39/ACUAAABYAAAAAAAAAAAAAAAAAAAAAAAAAAAAAAAAAAAAAAAAAAAAAAAAAAAAAAAAAAAAAAA/AAAAAAAAAKCGAQAAAAAAAAAAAAAAAAAMAAAAAQAAAAAAAAAAAAAAAAAAAB8AAABUAAAAAAAABQAAAAEAAAAAAAAAAAAAAAAAAAAAAAAAAAAAAAAAAAAAAAAAAAAAAAJ/f38AAAAAA8zMzADAwP8Af39/AAAAAAAAAAAAAAAAAAAAAAAAAAAAIQAAABgAAAAUAAAAwTUAABsnAABARwAAWSkAABAAAAAmAAAACAAAAAAAAAAAAAAAMAAAABQAAAAAAAAAAAD//wAAAQAAAP//AAABAA=="/>
               </a:ext>
             </a:extLst>
           </p:cNvSpPr>
@@ -1484,7 +1484,7 @@
           <a:lstStyle/>
           <a:p>
             <a:pPr/>
-            <a:fld id="{3D258D83-CDD0-707B-9E9D-3B2EC3D3686E}" type="slidenum">
+            <a:fld id="{3D8E07F3-BDD0-DBF1-9E36-4BA44978681E}" type="slidenum">
               <a:t/>
             </a:fld>
           </a:p>
@@ -1523,7 +1523,7 @@
             <a:spLocks noGrp="1" noChangeArrowheads="1"/>
             <a:extLst>
               <a:ext uri="smNativeData">
-                <pr:smNativeData xmlns:pr="smNativeData" xmlns="smNativeData" val="SMDATA_16_jeCHZxMAAAAlAAAAZAAAAA8BAAAAkAAAAEgAAACQAAAASAAAAAAAAAABAAAAAAAAAAEAAABQAAAAAAAAAAAA4D8AAAAAAADgPwAAAAAAAOA/AAAAAAAA4D8AAAAAAADgPwAAAAAAAOA/AAAAAAAA4D8AAAAAAADgPwAAAAAAAOA/AAAAAAAA4D8CAAAAjAAAAAAAAAAAAAAAu+DjDP///wgAAAAAAAAAAAAAAAAAAAAAAAAAAAAAAAAAAAAAZAAAAAEAAABAAAAAAAAAAAAAAAAAAAAAAAAAAAAAAAAAAAAAAAAAAAAAAAAAAAAAAAAAAAAAAAAAAAAAAAAAAAAAAAAAAAAAAAAAAAAAAAAAAAAAAAAAAAAAAAAAAAAAFAAAADwAAAAAAAAAAAAAAAAAAAkUAAAAAQAAABQAAAAUAAAAFAAAAAEAAAAAAAAAZAAAAGQAAAAAAAAAZAAAAGQAAAAVAAAAYAAAAAAAAAAAAAAADwAAACADAAAAAAAAAAAAAAEAAACgMgAAVgcAAKr4//8BAAAAf39/AAEAAABkAAAAAAAAABQAAABAHwAAAAAAACYAAAAAAAAAwOD//wAAAAAmAAAAZAAAABYAAABMAAAAAAAAAAAAAAAEAAAAAAAAAAEAAACAgIAKAAAAACgAAAAoAAAAZAAAAGQAAAAAAAAAzMzMAAAAAABQAAAAUAAAAGQAAABkAAAAAAAAABcAAAAUAAAAAAAAAAAAAAD/fwAA/38AAAAAAAAJAAAABAAAANw7IAEeAAAAaAAAAAAAAAAAAAAAAAAAAAAAAAAAAAAAECcAABAnAAAAAAAAAAAAAAAAAAAAAAAAAAAAAAAAAAAAAAAAAAAAABQAAAAAAAAAwMD/AAAAAABkAAAAMgAAAAAAAABkAAAAAAAAAH9/fwAKAAAAIgAAABgAAAAAAAAAAAAAAAAAAAAAAAAAAAAAAAAAAAAkAAAAJAAAAAAAAAAHAAAAAAAAAAAAAAAAAAAAAAAAAAAAAAAAAAAAf39/ACUAAABYAAAAAAAAAAAAAAAAAAAAAAAAAAAAAAAAAAAAAAAAAAAAAAAAAAAAAAAAAAAAAAA/AAAAAAAAAKCGAQAAAAAAAAAAAAAAAAAMAAAAAQAAAAAAAAAAAAAAAAAAAB8AAABUAAAAAAAABQAAAAEAAAAAAAAAAAAAAAAAAAAAAAAAAAAAAAAAAAAAAAAAAAAAAAJ/f38AAAAAA8zMzADAwP8Af39/AAAAAAAAAAAAAAAAAAAAAAAAAAAAIQAAABgAAAAUAAAAwAMAALABAABARwAAuAgAABAAAAAmAAAACAAAAAAAAAAAAAAAMAAAABQAAAAAAAAAAAD//wAAAQAAAP//AAABAA=="/>
+                <pr:smNativeData xmlns:pr="smNativeData" xmlns="smNativeData" val="SMDATA_16_oViJZxMAAAAlAAAAZAAAAA8BAAAAkAAAAEgAAACQAAAASAAAAAAAAAABAAAAAAAAAAEAAABQAAAAAAAAAAAA4D8AAAAAAADgPwAAAAAAAOA/AAAAAAAA4D8AAAAAAADgPwAAAAAAAOA/AAAAAAAA4D8AAAAAAADgPwAAAAAAAOA/AAAAAAAA4D8CAAAAjAAAAAAAAAAAAAAAu+DjDP///wgAAAAAAAAAAAAAAAAAAAAAAAAAAAAAAAAAAAAAZAAAAAEAAABAAAAAAAAAAAAAAAAAAAAAAAAAAAAAAAAAAAAAAAAAAAAAAAAAAAAAAAAAAAAAAAAAAAAAAAAAAAAAAAAAAAAAAAAAAAAAAAAAAAAAAAAAAAAAAAAAAAAAFAAAADwAAAAAAAAAAAAAAAAAAAkUAAAAAQAAABQAAAAUAAAAFAAAAAEAAAAAAAAAZAAAAGQAAAAAAAAAZAAAAGQAAAAVAAAAYAAAAAAAAAAAAAAADwAAACADAAAAAAAAAAAAAAEAAACgMgAAVgcAAKr4//8BAAAAf39/AAEAAABkAAAAAAAAABQAAABAHwAAAAAAACYAAAAAAAAAwOD//wAAAAAmAAAAZAAAABYAAABMAAAAAAAAAAAAAAAEAAAAAAAAAAEAAACAgIAKAAAAACgAAAAoAAAAZAAAAGQAAAAAAAAAzMzMAAAAAABQAAAAUAAAAGQAAABkAAAAAAAAABcAAAAUAAAAAAAAAAAAAAD/fwAA/38AAAAAAAAJAAAABAAAANw7IAEeAAAAaAAAAAAAAAAAAAAAAAAAAAAAAAAAAAAAECcAABAnAAAAAAAAAAAAAAAAAAAAAAAAAAAAAAAAAAAAAAAAAAAAABQAAAAAAAAAwMD/AAAAAABkAAAAMgAAAAAAAABkAAAAAAAAAH9/fwAKAAAAIgAAABgAAAAAAAAAAAAAAAAAAAAAAAAAAAAAAAAAAAAkAAAAJAAAAAAAAAAHAAAAAAAAAAAAAAAAAAAAAAAAAAAAAAAAAAAAf39/ACUAAABYAAAAAAAAAAAAAAAAAAAAAAAAAAAAAAAAAAAAAAAAAAAAAAAAAAAAAAAAAAAAAAA/AAAAAAAAAKCGAQAAAAAAAAAAAAAAAAAMAAAAAQAAAAAAAAAAAAAAAAAAAB8AAABUAAAAAAAABQAAAAEAAAAAAAAAAAAAAAAAAAAAAAAAAAAAAAAAAAAAAAAAAAAAAAJ/f38AAAAAA8zMzADAwP8Af39/AAAAAAAAAAAAAAAAAAAAAAAAAAAAIQAAABgAAAAUAAAAwAMAALABAABARwAAuAgAABAAAAAmAAAACAAAAAAAAAAAAAAAMAAAABQAAAAAAAAAAAD//wAAAQAAAP//AAABAA=="/>
               </a:ext>
             </a:extLst>
           </p:cNvSpPr>
@@ -1550,7 +1550,7 @@
             <a:spLocks noGrp="1" noChangeArrowheads="1"/>
             <a:extLst>
               <a:ext uri="smNativeData">
-                <pr:smNativeData xmlns:pr="smNativeData" xmlns="smNativeData" val="SMDATA_16_jeCHZxMAAAAlAAAAZAAAAA8BAAAAkAAAAEgAAACQAAAASAAAAAAAAAACAAAAAAAAAAEAAABQAAAAAAAAAAAA4D8AAAAAAADgPwAAAAAAAOA/AAAAAAAA4D8AAAAAAADgPwAAAAAAAOA/AAAAAAAA4D8AAAAAAADgPwAAAAAAAOA/AAAAAAAA4D8CAAAAjAAAAAAAAAAAAAAAu+DjDP///wgAAAAAAAAAAAAAAAAAAAAAAAAAAAAAAAAAAAAAZAAAAAEAAABAAAAAAAAAAAAAAAAAAAAAAAAAAAAAAAAAAAAAAAAAAAAAAAAAAAAAAAAAAAAAAAAAAAAAAAAAAAAAAAAAAAAAAAAAAAAAAAAAAAAAAAAAAAAAAAAAAAAAFAAAADwAAAAAAAAAAAAAAAAAAAkUAAAAAQAAABQAAAAUAAAAFAAAAAEAAAAAAAAAZAAAAGQAAAAAAAAAZAAAAGQAAAAVAAAAYAAAAAAAAAAAAAAADwAAACADAAAAAAAAAAAAAAEAAACgMgAAVgcAAKr4//8BAAAAf39/AAEAAABkAAAAAAAAABQAAABAHwAAAAAAACYAAAAAAAAAwOD//wAAAAAmAAAAZAAAABYAAABMAAAAAAAAAAAAAAAEAAAAAAAAAAEAAACAgIAKAAAAACgAAAAoAAAAZAAAAGQAAAAAAAAAzMzMAAAAAABQAAAAUAAAAGQAAABkAAAAAAAAABcAAAAUAAAAAAAAAAAAAAD/fwAA/38AAAAAAAAJAAAABAAAANw7IAEeAAAAaAAAAAAAAAAAAAAAAAAAAAAAAAAAAAAAECcAABAnAAAAAAAAAAAAAAAAAAAAAAAAAAAAAAAAAAAAAAAAAAAAABQAAAAAAAAAwMD/AAAAAABkAAAAMgAAAAAAAABkAAAAAAAAAH9/fwAKAAAAIgAAABgAAAAAAAAAAAAAAAAAAAAAAAAAAAAAAAAAAAAkAAAAJAAAAAAAAAAHAAAAAAAAAAAAAAAAAAAAAAAAAAAAAAAAAAAAf39/ACUAAABYAAAAAAAAAAAAAAAAAAAAAAAAAAAAAAAAAAAAAAAAAAAAAAAAAAAAAAAAAAAAAAA/AAAAAAAAAKCGAQAAAAAAAAAAAAAAAAAMAAAAAQAAAAAAAAAAAAAAAAAAAB8AAABUAAAAAAAABQAAAAEAAAAAAAAAAAAAAAAAAAAAAAAAAAAAAAAAAAAAAAAAAAAAAAJ/f38AAAAAA8zMzADAwP8Af39/AAAAAAAAAAAAAAAAAAAAAAAAAAAAIQAAABgAAAAUAAAAwAMAAHEJAADjJAAAYQ0AABAAAAAmAAAACAAAAIGAAAAAAAAAMAAAABQAAAAAAAAAAAD//wAAAQAAAP//AAABAA=="/>
+                <pr:smNativeData xmlns:pr="smNativeData" xmlns="smNativeData" val="SMDATA_16_oViJZxMAAAAlAAAAZAAAAA8BAAAAkAAAAEgAAACQAAAASAAAAAAAAAACAAAAAAAAAAEAAABQAAAAAAAAAAAA4D8AAAAAAADgPwAAAAAAAOA/AAAAAAAA4D8AAAAAAADgPwAAAAAAAOA/AAAAAAAA4D8AAAAAAADgPwAAAAAAAOA/AAAAAAAA4D8CAAAAjAAAAAAAAAAAAAAAu+DjDP///wgAAAAAAAAAAAAAAAAAAAAAAAAAAAAAAAAAAAAAZAAAAAEAAABAAAAAAAAAAAAAAAAAAAAAAAAAAAAAAAAAAAAAAAAAAAAAAAAAAAAAAAAAAAAAAAAAAAAAAAAAAAAAAAAAAAAAAAAAAAAAAAAAAAAAAAAAAAAAAAAAAAAAFAAAADwAAAAAAAAAAAAAAAAAAAkUAAAAAQAAABQAAAAUAAAAFAAAAAEAAAAAAAAAZAAAAGQAAAAAAAAAZAAAAGQAAAAVAAAAYAAAAAAAAAAAAAAADwAAACADAAAAAAAAAAAAAAEAAACgMgAAVgcAAKr4//8BAAAAf39/AAEAAABkAAAAAAAAABQAAABAHwAAAAAAACYAAAAAAAAAwOD//wAAAAAmAAAAZAAAABYAAABMAAAAAAAAAAAAAAAEAAAAAAAAAAEAAACAgIAKAAAAACgAAAAoAAAAZAAAAGQAAAAAAAAAzMzMAAAAAABQAAAAUAAAAGQAAABkAAAAAAAAABcAAAAUAAAAAAAAAAAAAAD/fwAA/38AAAAAAAAJAAAABAAAANw7IAEeAAAAaAAAAAAAAAAAAAAAAAAAAAAAAAAAAAAAECcAABAnAAAAAAAAAAAAAAAAAAAAAAAAAAAAAAAAAAAAAAAAAAAAABQAAAAAAAAAwMD/AAAAAABkAAAAMgAAAAAAAABkAAAAAAAAAH9/fwAKAAAAIgAAABgAAAAAAAAAAAAAAAAAAAAAAAAAAAAAAAAAAAAkAAAAJAAAAAAAAAAHAAAAAAAAAAAAAAAAAAAAAAAAAAAAAAAAAAAAf39/ACUAAABYAAAAAAAAAAAAAAAAAAAAAAAAAAAAAAAAAAAAAAAAAAAAAAAAAAAAAAAAAAAAAAA/AAAAAAAAAKCGAQAAAAAAAAAAAAAAAAAMAAAAAQAAAAAAAAAAAAAAAAAAAB8AAABUAAAAAAAABQAAAAEAAAAAAAAAAAAAAAAAAAAAAAAAAAAAAAAAAAAAAAAAAAAAAAJ/f38AAAAAA8zMzADAwP8Af39/AAAAAAAAAAAAAAAAAAAAAAAAAAAAIQAAABgAAAAUAAAAwAMAAHEJAADjJAAAYQ0AABAAAAAmAAAACAAAAIGAAAAAAAAAMAAAABQAAAAAAAAAAAD//wAAAQAAAP//AAABAA=="/>
               </a:ext>
             </a:extLst>
           </p:cNvSpPr>
@@ -1623,7 +1623,7 @@
             <a:spLocks noGrp="1" noChangeArrowheads="1"/>
             <a:extLst>
               <a:ext uri="smNativeData">
-                <pr:smNativeData xmlns:pr="smNativeData" xmlns="smNativeData" val="SMDATA_16_jeCHZxMAAAAlAAAAZAAAAA8BAAAAkAAAAEgAAACQAAAASAAAAAAAAAAAAAAAAAAAAAEAAABQAAAAAAAAAAAA4D8AAAAAAADgPwAAAAAAAOA/AAAAAAAA4D8AAAAAAADgPwAAAAAAAOA/AAAAAAAA4D8AAAAAAADgPwAAAAAAAOA/AAAAAAAA4D8CAAAAjAAAAAAAAAAAAAAAu+DjDP///wgAAAAAAAAAAAAAAAAAAAAAAAAAAAAAAAAAAAAAZAAAAAEAAABAAAAAAAAAAAAAAAAAAAAAAAAAAAAAAAAAAAAAAAAAAAAAAAAAAAAAAAAAAAAAAAAAAAAAAAAAAAAAAAAAAAAAAAAAAAAAAAAAAAAAAAAAAAAAAAAAAAAAFAAAADwAAAAAAAAAAAAAAAAAAAkUAAAAAQAAABQAAAAUAAAAFAAAAAEAAAAAAAAAZAAAAGQAAAAAAAAAZAAAAGQAAAAVAAAAYAAAAAAAAAAAAAAADwAAACADAAAAAAAAAAAAAAEAAACgMgAAVgcAAKr4//8BAAAAf39/AAEAAABkAAAAAAAAABQAAABAHwAAAAAAACYAAAAAAAAAwOD//wAAAAAmAAAAZAAAABYAAABMAAAAAAAAAAAAAAAEAAAAAAAAAAEAAACAgIAKAAAAACgAAAAoAAAAZAAAAGQAAAAAAAAAzMzMAAAAAABQAAAAUAAAAGQAAABkAAAAAAAAABcAAAAUAAAAAAAAAAAAAAD/fwAA/38AAAAAAAAJAAAABAAAANw7IAEeAAAAaAAAAAAAAAAAAAAAAAAAAAAAAAAAAAAAECcAABAnAAAAAAAAAAAAAAAAAAAAAAAAAAAAAAAAAAAAAAAAAAAAABQAAAAAAAAAwMD/AAAAAABkAAAAMgAAAAAAAABkAAAAAAAAAH9/fwAKAAAAIgAAABgAAAAAAAAAAAAAAAAAAAAAAAAAAAAAAAAAAAAkAAAAJAAAAAAAAAAHAAAAAAAAAAAAAAAAAAAAAAAAAAAAAAAAAAAAf39/ACUAAABYAAAAAAAAAAAAAAAAAAAAAAAAAAAAAAAAAAAAAAAAAAAAAAAAAAAAAAAAAAAAAAA/AAAAAAAAAKCGAQAAAAAAAAAAAAAAAAAMAAAAAQAAAAAAAAAAAAAAAAAAAB8AAABUAAAAAAAABQAAAAEAAAAAAAAAAAAAAAAAAAAAAAAAAAAAAAAAAAAAAAAAAAAAAAJ/f38AAAAAA8zMzADAwP8Af39/AAAAAAAAAAAAAAAAAAAAAAAAAAAAIQAAABgAAAAUAAAAwAMAAGENAADjJAAAsCUAABAAAAAmAAAACAAAAAGAAAAAAAAAMAAAABQAAAAAAAAAAAD//wAAAQAAAP//AAABAA=="/>
+                <pr:smNativeData xmlns:pr="smNativeData" xmlns="smNativeData" val="SMDATA_16_oViJZxMAAAAlAAAAZAAAAA8BAAAAkAAAAEgAAACQAAAASAAAAAAAAAAAAAAAAAAAAAEAAABQAAAAAAAAAAAA4D8AAAAAAADgPwAAAAAAAOA/AAAAAAAA4D8AAAAAAADgPwAAAAAAAOA/AAAAAAAA4D8AAAAAAADgPwAAAAAAAOA/AAAAAAAA4D8CAAAAjAAAAAAAAAAAAAAAu+DjDP///wgAAAAAAAAAAAAAAAAAAAAAAAAAAAAAAAAAAAAAZAAAAAEAAABAAAAAAAAAAAAAAAAAAAAAAAAAAAAAAAAAAAAAAAAAAAAAAAAAAAAAAAAAAAAAAAAAAAAAAAAAAAAAAAAAAAAAAAAAAAAAAAAAAAAAAAAAAAAAAAAAAAAAFAAAADwAAAAAAAAAAAAAAAAAAAkUAAAAAQAAABQAAAAUAAAAFAAAAAEAAAAAAAAAZAAAAGQAAAAAAAAAZAAAAGQAAAAVAAAAYAAAAAAAAAAAAAAADwAAACADAAAAAAAAAAAAAAEAAACgMgAAVgcAAKr4//8BAAAAf39/AAEAAABkAAAAAAAAABQAAABAHwAAAAAAACYAAAAAAAAAwOD//wAAAAAmAAAAZAAAABYAAABMAAAAAAAAAAAAAAAEAAAAAAAAAAEAAACAgIAKAAAAACgAAAAoAAAAZAAAAGQAAAAAAAAAzMzMAAAAAABQAAAAUAAAAGQAAABkAAAAAAAAABcAAAAUAAAAAAAAAAAAAAD/fwAA/38AAAAAAAAJAAAABAAAANw7IAEeAAAAaAAAAAAAAAAAAAAAAAAAAAAAAAAAAAAAECcAABAnAAAAAAAAAAAAAAAAAAAAAAAAAAAAAAAAAAAAAAAAAAAAABQAAAAAAAAAwMD/AAAAAABkAAAAMgAAAAAAAABkAAAAAAAAAH9/fwAKAAAAIgAAABgAAAAAAAAAAAAAAAAAAAAAAAAAAAAAAAAAAAAkAAAAJAAAAAAAAAAHAAAAAAAAAAAAAAAAAAAAAAAAAAAAAAAAAAAAf39/ACUAAABYAAAAAAAAAAAAAAAAAAAAAAAAAAAAAAAAAAAAAAAAAAAAAAAAAAAAAAAAAAAAAAA/AAAAAAAAAKCGAQAAAAAAAAAAAAAAAAAMAAAAAQAAAAAAAAAAAAAAAAAAAB8AAABUAAAAAAAABQAAAAEAAAAAAAAAAAAAAAAAAAAAAAAAAAAAAAAAAAAAAAAAAAAAAAJ/f38AAAAAA8zMzADAwP8Af39/AAAAAAAAAAAAAAAAAAAAAAAAAAAAIQAAABgAAAAUAAAAwAMAAGENAADjJAAAsCUAABAAAAAmAAAACAAAAAGAAAAAAAAAMAAAABQAAAAAAAAAAAD//wAAAQAAAP//AAABAA=="/>
               </a:ext>
             </a:extLst>
           </p:cNvSpPr>
@@ -1707,7 +1707,7 @@
             <a:spLocks noGrp="1" noChangeArrowheads="1"/>
             <a:extLst>
               <a:ext uri="smNativeData">
-                <pr:smNativeData xmlns:pr="smNativeData" xmlns="smNativeData" val="SMDATA_16_jeCHZxMAAAAlAAAAZAAAAA8BAAAAkAAAAEgAAACQAAAASAAAAAAAAAACAAAAAAAAAAEAAABQAAAAAAAAAAAA4D8AAAAAAADgPwAAAAAAAOA/AAAAAAAA4D8AAAAAAADgPwAAAAAAAOA/AAAAAAAA4D8AAAAAAADgPwAAAAAAAOA/AAAAAAAA4D8CAAAAjAAAAAAAAAAAAAAAu+DjDP///wgAAAAAAAAAAAAAAAAAAAAAAAAAAAAAAAAAAAAAZAAAAAEAAABAAAAAAAAAAAAAAAAAAAAAAAAAAAAAAAAAAAAAAAAAAAAAAAAAAAAAAAAAAAAAAAAAAAAAAAAAAAAAAAAAAAAAAAAAAAAAAAAAAAAAAAAAAAAAAAAAAAAAFAAAADwAAAAAAAAAAAAAAAAAAAkUAAAAAQAAABQAAAAUAAAAFAAAAAEAAAAAAAAAZAAAAGQAAAAAAAAAZAAAAGQAAAAVAAAAYAAAAAAAAAAAAAAADwAAACADAAAAAAAAAAAAAAEAAACgMgAAVgcAAKr4//8BAAAAf39/AAEAAABkAAAAAAAAABQAAABAHwAAAAAAACYAAAAAAAAAwOD//wAAAAAmAAAAZAAAABYAAABMAAAAAAAAAAAAAAAEAAAAAAAAAAEAAACAgIAKAAAAACgAAAAoAAAAZAAAAGQAAAAAAAAAzMzMAAAAAABQAAAAUAAAAGQAAABkAAAAAAAAABcAAAAUAAAAAAAAAAAAAAD/fwAA/38AAAAAAAAJAAAABAAAANw7IAEeAAAAaAAAAAAAAAAAAAAAAAAAAAAAAAAAAAAAECcAABAnAAAAAAAAAAAAAAAAAAAAAAAAAAAAAAAAAAAAAAAAAAAAABQAAAAAAAAAwMD/AAAAAABkAAAAMgAAAAAAAABkAAAAAAAAAH9/fwAKAAAAIgAAABgAAAAAAAAAAAAAAAAAAAAAAAAAAAAAAAAAAAAkAAAAJAAAAAAAAAAHAAAAAAAAAAAAAAAAAAAAAAAAAAAAAAAAAAAAf39/ACUAAABYAAAAAAAAAAAAAAAAAAAAAAAAAAAAAAAAAAAAAAAAAAAAAAAAAAAAAAAAAAAAAAA/AAAAAAAAAKCGAQAAAAAAAAAAAAAAAAAMAAAAAQAAAAAAAAAAAAAAAAAAAB8AAABUAAAAAAAABQAAAAEAAAAAAAAAAAAAAAAAAAAAAAAAAAAAAAAAAAAAAAAAAAAAAAJ/f38AAAAAA8zMzADAwP8Af39/AAAAAAAAAAAAAAAAAAAAAAAAAAAAIQAAABgAAAAUAAAAHSYAAHEJAABARwAAYQ0AABAAAAAmAAAACAAAAIGAAAAAAAAAMAAAABQAAAAAAAAAAAD//wAAAQAAAP//AAABAA=="/>
+                <pr:smNativeData xmlns:pr="smNativeData" xmlns="smNativeData" val="SMDATA_16_oViJZxMAAAAlAAAAZAAAAA8BAAAAkAAAAEgAAACQAAAASAAAAAAAAAACAAAAAAAAAAEAAABQAAAAAAAAAAAA4D8AAAAAAADgPwAAAAAAAOA/AAAAAAAA4D8AAAAAAADgPwAAAAAAAOA/AAAAAAAA4D8AAAAAAADgPwAAAAAAAOA/AAAAAAAA4D8CAAAAjAAAAAAAAAAAAAAAu+DjDP///wgAAAAAAAAAAAAAAAAAAAAAAAAAAAAAAAAAAAAAZAAAAAEAAABAAAAAAAAAAAAAAAAAAAAAAAAAAAAAAAAAAAAAAAAAAAAAAAAAAAAAAAAAAAAAAAAAAAAAAAAAAAAAAAAAAAAAAAAAAAAAAAAAAAAAAAAAAAAAAAAAAAAAFAAAADwAAAAAAAAAAAAAAAAAAAkUAAAAAQAAABQAAAAUAAAAFAAAAAEAAAAAAAAAZAAAAGQAAAAAAAAAZAAAAGQAAAAVAAAAYAAAAAAAAAAAAAAADwAAACADAAAAAAAAAAAAAAEAAACgMgAAVgcAAKr4//8BAAAAf39/AAEAAABkAAAAAAAAABQAAABAHwAAAAAAACYAAAAAAAAAwOD//wAAAAAmAAAAZAAAABYAAABMAAAAAAAAAAAAAAAEAAAAAAAAAAEAAACAgIAKAAAAACgAAAAoAAAAZAAAAGQAAAAAAAAAzMzMAAAAAABQAAAAUAAAAGQAAABkAAAAAAAAABcAAAAUAAAAAAAAAAAAAAD/fwAA/38AAAAAAAAJAAAABAAAANw7IAEeAAAAaAAAAAAAAAAAAAAAAAAAAAAAAAAAAAAAECcAABAnAAAAAAAAAAAAAAAAAAAAAAAAAAAAAAAAAAAAAAAAAAAAABQAAAAAAAAAwMD/AAAAAABkAAAAMgAAAAAAAABkAAAAAAAAAH9/fwAKAAAAIgAAABgAAAAAAAAAAAAAAAAAAAAAAAAAAAAAAAAAAAAkAAAAJAAAAAAAAAAHAAAAAAAAAAAAAAAAAAAAAAAAAAAAAAAAAAAAf39/ACUAAABYAAAAAAAAAAAAAAAAAAAAAAAAAAAAAAAAAAAAAAAAAAAAAAAAAAAAAAAAAAAAAAA/AAAAAAAAAKCGAQAAAAAAAAAAAAAAAAAMAAAAAQAAAAAAAAAAAAAAAAAAAB8AAABUAAAAAAAABQAAAAEAAAAAAAAAAAAAAAAAAAAAAAAAAAAAAAAAAAAAAAAAAAAAAAJ/f38AAAAAA8zMzADAwP8Af39/AAAAAAAAAAAAAAAAAAAAAAAAAAAAIQAAABgAAAAUAAAAHSYAAHEJAABARwAAYQ0AABAAAAAmAAAACAAAAIGAAAAAAAAAMAAAABQAAAAAAAAAAAD//wAAAQAAAP//AAABAA=="/>
               </a:ext>
             </a:extLst>
           </p:cNvSpPr>
@@ -1780,7 +1780,7 @@
             <a:spLocks noGrp="1" noChangeArrowheads="1"/>
             <a:extLst>
               <a:ext uri="smNativeData">
-                <pr:smNativeData xmlns:pr="smNativeData" xmlns="smNativeData" val="SMDATA_16_jeCHZxMAAAAlAAAAZAAAAA8BAAAAkAAAAEgAAACQAAAASAAAAAAAAAAAAAAAAAAAAAEAAABQAAAAAAAAAAAA4D8AAAAAAADgPwAAAAAAAOA/AAAAAAAA4D8AAAAAAADgPwAAAAAAAOA/AAAAAAAA4D8AAAAAAADgPwAAAAAAAOA/AAAAAAAA4D8CAAAAjAAAAAAAAAAAAAAAu+DjDP///wgAAAAAAAAAAAAAAAAAAAAAAAAAAAAAAAAAAAAAZAAAAAEAAABAAAAAAAAAAAAAAAAAAAAAAAAAAAAAAAAAAAAAAAAAAAAAAAAAAAAAAAAAAAAAAAAAAAAAAAAAAAAAAAAAAAAAAAAAAAAAAAAAAAAAAAAAAAAAAAAAAAAAFAAAADwAAAAAAAAAAAAAAAAAAAkUAAAAAQAAABQAAAAUAAAAFAAAAAEAAAAAAAAAZAAAAGQAAAAAAAAAZAAAAGQAAAAVAAAAYAAAAAAAAAAAAAAADwAAACADAAAAAAAAAAAAAAEAAACgMgAAVgcAAKr4//8BAAAAf39/AAEAAABkAAAAAAAAABQAAABAHwAAAAAAACYAAAAAAAAAwOD//wAAAAAmAAAAZAAAABYAAABMAAAAAAAAAAAAAAAEAAAAAAAAAAEAAACAgIAKAAAAACgAAAAoAAAAZAAAAGQAAAAAAAAAzMzMAAAAAABQAAAAUAAAAGQAAABkAAAAAAAAABcAAAAUAAAAAAAAAAAAAAD/fwAA/38AAAAAAAAJAAAABAAAANw7IAEeAAAAaAAAAAAAAAAAAAAAAAAAAAAAAAAAAAAAECcAABAnAAAAAAAAAAAAAAAAAAAAAAAAAAAAAAAAAAAAAAAAAAAAABQAAAAAAAAAwMD/AAAAAABkAAAAMgAAAAAAAABkAAAAAAAAAH9/fwAKAAAAIgAAABgAAAAAAAAAAAAAAAAAAAAAAAAAAAAAAAAAAAAkAAAAJAAAAAAAAAAHAAAAAAAAAAAAAAAAAAAAAAAAAAAAAAAAAAAAf39/ACUAAABYAAAAAAAAAAAAAAAAAAAAAAAAAAAAAAAAAAAAAAAAAAAAAAAAAAAAAAAAAAAAAAA/AAAAAAAAAKCGAQAAAAAAAAAAAAAAAAAMAAAAAQAAAAAAAAAAAAAAAAAAAB8AAABUAAAAAAAABQAAAAEAAAAAAAAAAAAAAAAAAAAAAAAAAAAAAAAAAAAAAAAAAAAAAAJ/f38AAAAAA8zMzADAwP8Af39/AAAAAAAAAAAAAAAAAAAAAAAAAAAAIQAAABgAAAAUAAAAHSYAAGENAABARwAAsCUAABAAAAAmAAAACAAAAAGAAAAAAAAAMAAAABQAAAAAAAAAAAD//wAAAQAAAP//AAABAA=="/>
+                <pr:smNativeData xmlns:pr="smNativeData" xmlns="smNativeData" val="SMDATA_16_oViJZxMAAAAlAAAAZAAAAA8BAAAAkAAAAEgAAACQAAAASAAAAAAAAAAAAAAAAAAAAAEAAABQAAAAAAAAAAAA4D8AAAAAAADgPwAAAAAAAOA/AAAAAAAA4D8AAAAAAADgPwAAAAAAAOA/AAAAAAAA4D8AAAAAAADgPwAAAAAAAOA/AAAAAAAA4D8CAAAAjAAAAAAAAAAAAAAAu+DjDP///wgAAAAAAAAAAAAAAAAAAAAAAAAAAAAAAAAAAAAAZAAAAAEAAABAAAAAAAAAAAAAAAAAAAAAAAAAAAAAAAAAAAAAAAAAAAAAAAAAAAAAAAAAAAAAAAAAAAAAAAAAAAAAAAAAAAAAAAAAAAAAAAAAAAAAAAAAAAAAAAAAAAAAFAAAADwAAAAAAAAAAAAAAAAAAAkUAAAAAQAAABQAAAAUAAAAFAAAAAEAAAAAAAAAZAAAAGQAAAAAAAAAZAAAAGQAAAAVAAAAYAAAAAAAAAAAAAAADwAAACADAAAAAAAAAAAAAAEAAACgMgAAVgcAAKr4//8BAAAAf39/AAEAAABkAAAAAAAAABQAAABAHwAAAAAAACYAAAAAAAAAwOD//wAAAAAmAAAAZAAAABYAAABMAAAAAAAAAAAAAAAEAAAAAAAAAAEAAACAgIAKAAAAACgAAAAoAAAAZAAAAGQAAAAAAAAAzMzMAAAAAABQAAAAUAAAAGQAAABkAAAAAAAAABcAAAAUAAAAAAAAAAAAAAD/fwAA/38AAAAAAAAJAAAABAAAANw7IAEeAAAAaAAAAAAAAAAAAAAAAAAAAAAAAAAAAAAAECcAABAnAAAAAAAAAAAAAAAAAAAAAAAAAAAAAAAAAAAAAAAAAAAAABQAAAAAAAAAwMD/AAAAAABkAAAAMgAAAAAAAABkAAAAAAAAAH9/fwAKAAAAIgAAABgAAAAAAAAAAAAAAAAAAAAAAAAAAAAAAAAAAAAkAAAAJAAAAAAAAAAHAAAAAAAAAAAAAAAAAAAAAAAAAAAAAAAAAAAAf39/ACUAAABYAAAAAAAAAAAAAAAAAAAAAAAAAAAAAAAAAAAAAAAAAAAAAAAAAAAAAAAAAAAAAAA/AAAAAAAAAKCGAQAAAAAAAAAAAAAAAAAMAAAAAQAAAAAAAAAAAAAAAAAAAB8AAABUAAAAAAAABQAAAAEAAAAAAAAAAAAAAAAAAAAAAAAAAAAAAAAAAAAAAAAAAAAAAAJ/f38AAAAAA8zMzADAwP8Af39/AAAAAAAAAAAAAAAAAAAAAAAAAAAAIQAAABgAAAAUAAAAHSYAAGENAABARwAAsCUAABAAAAAmAAAACAAAAAGAAAAAAAAAMAAAABQAAAAAAAAAAAD//wAAAQAAAP//AAABAA=="/>
               </a:ext>
             </a:extLst>
           </p:cNvSpPr>
@@ -1864,7 +1864,7 @@
             <a:spLocks noGrp="1" noChangeArrowheads="1"/>
             <a:extLst>
               <a:ext uri="smNativeData">
-                <pr:smNativeData xmlns:pr="smNativeData" xmlns="smNativeData" val="SMDATA_16_jeCHZxMAAAAlAAAAZAAAAA8BAAAAkAAAAEgAAACQAAAASAAAAAAAAAABAAAAAAAAAAEAAABQAAAAAAAAAAAA4D8AAAAAAADgPwAAAAAAAOA/AAAAAAAA4D8AAAAAAADgPwAAAAAAAOA/AAAAAAAA4D8AAAAAAADgPwAAAAAAAOA/AAAAAAAA4D8CAAAAjAAAAAAAAAAAAAAAu+DjDP///wgAAAAAAAAAAAAAAAAAAAAAAAAAAAAAAAAAAAAAZAAAAAEAAABAAAAAAAAAAAAAAAAAAAAAAAAAAAAAAAAAAAAAAAAAAAAAAAAAAAAAAAAAAAAAAAAAAAAAAAAAAAAAAAAAAAAAAAAAAAAAAAAAAAAAAAAAAAAAAAAAAAAAFAAAADwAAAAAAAAAAAAAAAAAAAkUAAAAAQAAABQAAAAUAAAAFAAAAAEAAAAAAAAAZAAAAGQAAAAAAAAAZAAAAGQAAAAVAAAAYAAAAAAAAAAAAAAADwAAACADAAAAAAAAAAAAAAEAAACgMgAAVgcAAKr4//8BAAAAf39/AAEAAABkAAAAAAAAABQAAABAHwAAAAAAACYAAAAAAAAAwOD//wAAAAAmAAAAZAAAABYAAABMAAAAAAAAAAAAAAAEAAAAAAAAAAEAAACAgIAKAAAAACgAAAAoAAAAZAAAAGQAAAAAAAAAzMzMAAAAAABQAAAAUAAAAGQAAABkAAAAAAAAABcAAAAUAAAAAAAAAAAAAAD/fwAA/38AAAAAAAAJAAAABAAAANw7IAEeAAAAaAAAAAAAAAAAAAAAAAAAAAAAAAAAAAAAECcAABAnAAAAAAAAAAAAAAAAAAAAAAAAAAAAAAAAAAAAAAAAAAAAABQAAAAAAAAAwMD/AAAAAABkAAAAMgAAAAAAAABkAAAAAAAAAH9/fwAKAAAAIgAAABgAAAAAAAAAAAAAAAAAAAAAAAAAAAAAAAAAAAAkAAAAJAAAAAAAAAAHAAAAAAAAAAAAAAAAAAAAAAAAAAAAAAAAAAAAf39/ACUAAABYAAAAAAAAAAAAAAAAAAAAAAAAAAAAAAAAAAAAAAAAAAAAAAAAAAAAAAAAAAAAAAA/AAAAAAAAAKCGAQAAAAAAAAAAAAAAAAAMAAAAAQAAAAAAAAAAAAAAAAAAAB8AAABUAAAAAAAABQAAAAEAAAAAAAAAAAAAAAAAAAAAAAAAAAAAAAAAAAAAAAAAAAAAAAJ/f38AAAAAA8zMzADAwP8Af39/AAAAAAAAAAAAAAAAAAAAAAAAAAAAIQAAABgAAAAUAAAAwAMAABsnAAA/FQAAWSkAABAAAAAmAAAACAAAAAAAAAAAAAAAMAAAABQAAAAAAAAAAAD//wAAAQAAAP//AAABAA=="/>
+                <pr:smNativeData xmlns:pr="smNativeData" xmlns="smNativeData" val="SMDATA_16_oViJZxMAAAAlAAAAZAAAAA8BAAAAkAAAAEgAAACQAAAASAAAAAAAAAABAAAAAAAAAAEAAABQAAAAAAAAAAAA4D8AAAAAAADgPwAAAAAAAOA/AAAAAAAA4D8AAAAAAADgPwAAAAAAAOA/AAAAAAAA4D8AAAAAAADgPwAAAAAAAOA/AAAAAAAA4D8CAAAAjAAAAAAAAAAAAAAAu+DjDP///wgAAAAAAAAAAAAAAAAAAAAAAAAAAAAAAAAAAAAAZAAAAAEAAABAAAAAAAAAAAAAAAAAAAAAAAAAAAAAAAAAAAAAAAAAAAAAAAAAAAAAAAAAAAAAAAAAAAAAAAAAAAAAAAAAAAAAAAAAAAAAAAAAAAAAAAAAAAAAAAAAAAAAFAAAADwAAAAAAAAAAAAAAAAAAAkUAAAAAQAAABQAAAAUAAAAFAAAAAEAAAAAAAAAZAAAAGQAAAAAAAAAZAAAAGQAAAAVAAAAYAAAAAAAAAAAAAAADwAAACADAAAAAAAAAAAAAAEAAACgMgAAVgcAAKr4//8BAAAAf39/AAEAAABkAAAAAAAAABQAAABAHwAAAAAAACYAAAAAAAAAwOD//wAAAAAmAAAAZAAAABYAAABMAAAAAAAAAAAAAAAEAAAAAAAAAAEAAACAgIAKAAAAACgAAAAoAAAAZAAAAGQAAAAAAAAAzMzMAAAAAABQAAAAUAAAAGQAAABkAAAAAAAAABcAAAAUAAAAAAAAAAAAAAD/fwAA/38AAAAAAAAJAAAABAAAANw7IAEeAAAAaAAAAAAAAAAAAAAAAAAAAAAAAAAAAAAAECcAABAnAAAAAAAAAAAAAAAAAAAAAAAAAAAAAAAAAAAAAAAAAAAAABQAAAAAAAAAwMD/AAAAAABkAAAAMgAAAAAAAABkAAAAAAAAAH9/fwAKAAAAIgAAABgAAAAAAAAAAAAAAAAAAAAAAAAAAAAAAAAAAAAkAAAAJAAAAAAAAAAHAAAAAAAAAAAAAAAAAAAAAAAAAAAAAAAAAAAAf39/ACUAAABYAAAAAAAAAAAAAAAAAAAAAAAAAAAAAAAAAAAAAAAAAAAAAAAAAAAAAAAAAAAAAAA/AAAAAAAAAKCGAQAAAAAAAAAAAAAAAAAMAAAAAQAAAAAAAAAAAAAAAAAAAB8AAABUAAAAAAAABQAAAAEAAAAAAAAAAAAAAAAAAAAAAAAAAAAAAAAAAAAAAAAAAAAAAAJ/f38AAAAAA8zMzADAwP8Af39/AAAAAAAAAAAAAAAAAAAAAAAAAAAAIQAAABgAAAAUAAAAwAMAABsnAAA/FQAAWSkAABAAAAAmAAAACAAAAAAAAAAAAAAAMAAAABQAAAAAAAAAAAD//wAAAQAAAP//AAABAA=="/>
               </a:ext>
             </a:extLst>
           </p:cNvSpPr>
@@ -1878,7 +1878,7 @@
           <a:lstStyle/>
           <a:p>
             <a:pPr/>
-            <a:fld id="{3D25B882-CCD0-704E-9E9D-3A1BF6D3686F}" type="datetime1">
+            <a:fld id="{3D8E3537-79D0-DBC3-9E36-8F967B7868DA}" type="datetime1">
               <a:t/>
             </a:fld>
           </a:p>
@@ -1891,7 +1891,7 @@
             <a:spLocks noGrp="1" noChangeArrowheads="1"/>
             <a:extLst>
               <a:ext uri="smNativeData">
-                <pr:smNativeData xmlns:pr="smNativeData" xmlns="smNativeData" val="SMDATA_16_jeCHZxMAAAAlAAAAZAAAAA8BAAAAkAAAAEgAAACQAAAASAAAAAAAAAABAAAAAAAAAAEAAABQAAAAAAAAAAAA4D8AAAAAAADgPwAAAAAAAOA/AAAAAAAA4D8AAAAAAADgPwAAAAAAAOA/AAAAAAAA4D8AAAAAAADgPwAAAAAAAOA/AAAAAAAA4D8CAAAAjAAAAAAAAAAAAAAAu+DjDP///wgAAAAAAAAAAAAAAAAAAAAAAAAAAAAAAAAAAAAAZAAAAAEAAABAAAAAAAAAAAAAAAAAAAAAAAAAAAAAAAAAAAAAAAAAAAAAAAAAAAAAAAAAAAAAAAAAAAAAAAAAAAAAAAAAAAAAAAAAAAAAAAAAAAAAAAAAAAAAAAAAAAAAFAAAADwAAAAAAAAAAAAAAAAAAAkUAAAAAQAAABQAAAAUAAAAFAAAAAEAAAAAAAAAZAAAAGQAAAAAAAAAZAAAAGQAAAAVAAAAYAAAAAAAAAAAAAAADwAAACADAAAAAAAAAAAAAAEAAACgMgAAVgcAAKr4//8BAAAAf39/AAEAAABkAAAAAAAAABQAAABAHwAAAAAAACYAAAAAAAAAwOD//wAAAAAmAAAAZAAAABYAAABMAAAAAAAAAAAAAAAEAAAAAAAAAAEAAACAgIAKAAAAACgAAAAoAAAAZAAAAGQAAAAAAAAAzMzMAAAAAABQAAAAUAAAAGQAAABkAAAAAAAAABcAAAAUAAAAAAAAAAAAAAD/fwAA/38AAAAAAAAJAAAABAAAANw7IAEeAAAAaAAAAAAAAAAAAAAAAAAAAAAAAAAAAAAAECcAABAnAAAAAAAAAAAAAAAAAAAAAAAAAAAAAAAAAAAAAAAAAAAAABQAAAAAAAAAwMD/AAAAAABkAAAAMgAAAAAAAABkAAAAAAAAAH9/fwAKAAAAIgAAABgAAAAAAAAAAAAAAAAAAAAAAAAAAAAAAAAAAAAkAAAAJAAAAAAAAAAHAAAAAAAAAAAAAAAAAAAAAAAAAAAAAAAAAAAAf39/ACUAAABYAAAAAAAAAAAAAAAAAAAAAAAAAAAAAAAAAAAAAAAAAAAAAAAAAAAAAAAAAAAAAAA/AAAAAAAAAKCGAQAAAAAAAAAAAAAAAAAMAAAAAQAAAAAAAAAAAAAAAAAAAB8AAABUAAAAAAAABQAAAAEAAAAAAAAAAAAAAAAAAAAAAAAAAAAAAAAAAAAAAAAAAAAAAAJ/f38AAAAAA8zMzADAwP8Af39/AAAAAAAAAAAAAAAAAAAAAAAAAAAAIQAAABgAAAAUAAAAoRkAABsnAABfMQAAWSkAABAAAAAmAAAACAAAAAAAAAAAAAAAMAAAABQAAAAAAAAAAAD//wAAAQAAAP//AAABAA=="/>
+                <pr:smNativeData xmlns:pr="smNativeData" xmlns="smNativeData" val="SMDATA_16_oViJZxMAAAAlAAAAZAAAAA8BAAAAkAAAAEgAAACQAAAASAAAAAAAAAABAAAAAAAAAAEAAABQAAAAAAAAAAAA4D8AAAAAAADgPwAAAAAAAOA/AAAAAAAA4D8AAAAAAADgPwAAAAAAAOA/AAAAAAAA4D8AAAAAAADgPwAAAAAAAOA/AAAAAAAA4D8CAAAAjAAAAAAAAAAAAAAAu+DjDP///wgAAAAAAAAAAAAAAAAAAAAAAAAAAAAAAAAAAAAAZAAAAAEAAABAAAAAAAAAAAAAAAAAAAAAAAAAAAAAAAAAAAAAAAAAAAAAAAAAAAAAAAAAAAAAAAAAAAAAAAAAAAAAAAAAAAAAAAAAAAAAAAAAAAAAAAAAAAAAAAAAAAAAFAAAADwAAAAAAAAAAAAAAAAAAAkUAAAAAQAAABQAAAAUAAAAFAAAAAEAAAAAAAAAZAAAAGQAAAAAAAAAZAAAAGQAAAAVAAAAYAAAAAAAAAAAAAAADwAAACADAAAAAAAAAAAAAAEAAACgMgAAVgcAAKr4//8BAAAAf39/AAEAAABkAAAAAAAAABQAAABAHwAAAAAAACYAAAAAAAAAwOD//wAAAAAmAAAAZAAAABYAAABMAAAAAAAAAAAAAAAEAAAAAAAAAAEAAACAgIAKAAAAACgAAAAoAAAAZAAAAGQAAAAAAAAAzMzMAAAAAABQAAAAUAAAAGQAAABkAAAAAAAAABcAAAAUAAAAAAAAAAAAAAD/fwAA/38AAAAAAAAJAAAABAAAANw7IAEeAAAAaAAAAAAAAAAAAAAAAAAAAAAAAAAAAAAAECcAABAnAAAAAAAAAAAAAAAAAAAAAAAAAAAAAAAAAAAAAAAAAAAAABQAAAAAAAAAwMD/AAAAAABkAAAAMgAAAAAAAABkAAAAAAAAAH9/fwAKAAAAIgAAABgAAAAAAAAAAAAAAAAAAAAAAAAAAAAAAAAAAAAkAAAAJAAAAAAAAAAHAAAAAAAAAAAAAAAAAAAAAAAAAAAAAAAAAAAAf39/ACUAAABYAAAAAAAAAAAAAAAAAAAAAAAAAAAAAAAAAAAAAAAAAAAAAAAAAAAAAAAAAAAAAAA/AAAAAAAAAKCGAQAAAAAAAAAAAAAAAAAMAAAAAQAAAAAAAAAAAAAAAAAAAB8AAABUAAAAAAAABQAAAAEAAAAAAAAAAAAAAAAAAAAAAAAAAAAAAAAAAAAAAAAAAAAAAAJ/f38AAAAAA8zMzADAwP8Af39/AAAAAAAAAAAAAAAAAAAAAAAAAAAAIQAAABgAAAAUAAAAoRkAABsnAABfMQAAWSkAABAAAAAmAAAACAAAAAAAAAAAAAAAMAAAABQAAAAAAAAAAAD//wAAAQAAAP//AAABAA=="/>
               </a:ext>
             </a:extLst>
           </p:cNvSpPr>
@@ -1915,7 +1915,7 @@
             <a:spLocks noGrp="1" noChangeArrowheads="1"/>
             <a:extLst>
               <a:ext uri="smNativeData">
-                <pr:smNativeData xmlns:pr="smNativeData" xmlns="smNativeData" val="SMDATA_16_jeCHZxMAAAAlAAAAZAAAAA8BAAAAkAAAAEgAAACQAAAASAAAAAAAAAABAAAAAAAAAAEAAABQAAAAAAAAAAAA4D8AAAAAAADgPwAAAAAAAOA/AAAAAAAA4D8AAAAAAADgPwAAAAAAAOA/AAAAAAAA4D8AAAAAAADgPwAAAAAAAOA/AAAAAAAA4D8CAAAAjAAAAAAAAAAAAAAAu+DjDP///wgAAAAAAAAAAAAAAAAAAAAAAAAAAAAAAAAAAAAAZAAAAAEAAABAAAAAAAAAAAAAAAAAAAAAAAAAAAAAAAAAAAAAAAAAAAAAAAAAAAAAAAAAAAAAAAAAAAAAAAAAAAAAAAAAAAAAAAAAAAAAAAAAAAAAAAAAAAAAAAAAAAAAFAAAADwAAAAAAAAAAAAAAAAAAAkUAAAAAQAAABQAAAAUAAAAFAAAAAEAAAAAAAAAZAAAAGQAAAAAAAAAZAAAAGQAAAAVAAAAYAAAAAAAAAAAAAAADwAAACADAAAAAAAAAAAAAAEAAACgMgAAVgcAAKr4//8BAAAAf39/AAEAAABkAAAAAAAAABQAAABAHwAAAAAAACYAAAAAAAAAwOD//wAAAAAmAAAAZAAAABYAAABMAAAAAAAAAAAAAAAEAAAAAAAAAAEAAACAgIAKAAAAACgAAAAoAAAAZAAAAGQAAAAAAAAAzMzMAAAAAABQAAAAUAAAAGQAAABkAAAAAAAAABcAAAAUAAAAAAAAAAAAAAD/fwAA/38AAAAAAAAJAAAABAAAANw7IAEeAAAAaAAAAAAAAAAAAAAAAAAAAAAAAAAAAAAAECcAABAnAAAAAAAAAAAAAAAAAAAAAAAAAAAAAAAAAAAAAAAAAAAAABQAAAAAAAAAwMD/AAAAAABkAAAAMgAAAAAAAABkAAAAAAAAAH9/fwAKAAAAIgAAABgAAAAAAAAAAAAAAAAAAAAAAAAAAAAAAAAAAAAkAAAAJAAAAAAAAAAHAAAAAAAAAAAAAAAAAAAAAAAAAAAAAAAAAAAAf39/ACUAAABYAAAAAAAAAAAAAAAAAAAAAAAAAAAAAAAAAAAAAAAAAAAAAAAAAAAAAAAAAAAAAAA/AAAAAAAAAKCGAQAAAAAAAAAAAAAAAAAMAAAAAQAAAAAAAAAAAAAAAAAAAB8AAABUAAAAAAAABQAAAAEAAAAAAAAAAAAAAAAAAAAAAAAAAAAAAAAAAAAAAAAAAAAAAAJ/f38AAAAAA8zMzADAwP8Af39/AAAAAAAAAAAAAAAAAAAAAAAAAAAAIQAAABgAAAAUAAAAwTUAABsnAABARwAAWSkAABAAAAAmAAAACAAAAAAAAAAAAAAAMAAAABQAAAAAAAAAAAD//wAAAQAAAP//AAABAA=="/>
+                <pr:smNativeData xmlns:pr="smNativeData" xmlns="smNativeData" val="SMDATA_16_oViJZxMAAAAlAAAAZAAAAA8BAAAAkAAAAEgAAACQAAAASAAAAAAAAAABAAAAAAAAAAEAAABQAAAAAAAAAAAA4D8AAAAAAADgPwAAAAAAAOA/AAAAAAAA4D8AAAAAAADgPwAAAAAAAOA/AAAAAAAA4D8AAAAAAADgPwAAAAAAAOA/AAAAAAAA4D8CAAAAjAAAAAAAAAAAAAAAu+DjDP///wgAAAAAAAAAAAAAAAAAAAAAAAAAAAAAAAAAAAAAZAAAAAEAAABAAAAAAAAAAAAAAAAAAAAAAAAAAAAAAAAAAAAAAAAAAAAAAAAAAAAAAAAAAAAAAAAAAAAAAAAAAAAAAAAAAAAAAAAAAAAAAAAAAAAAAAAAAAAAAAAAAAAAFAAAADwAAAAAAAAAAAAAAAAAAAkUAAAAAQAAABQAAAAUAAAAFAAAAAEAAAAAAAAAZAAAAGQAAAAAAAAAZAAAAGQAAAAVAAAAYAAAAAAAAAAAAAAADwAAACADAAAAAAAAAAAAAAEAAACgMgAAVgcAAKr4//8BAAAAf39/AAEAAABkAAAAAAAAABQAAABAHwAAAAAAACYAAAAAAAAAwOD//wAAAAAmAAAAZAAAABYAAABMAAAAAAAAAAAAAAAEAAAAAAAAAAEAAACAgIAKAAAAACgAAAAoAAAAZAAAAGQAAAAAAAAAzMzMAAAAAABQAAAAUAAAAGQAAABkAAAAAAAAABcAAAAUAAAAAAAAAAAAAAD/fwAA/38AAAAAAAAJAAAABAAAANw7IAEeAAAAaAAAAAAAAAAAAAAAAAAAAAAAAAAAAAAAECcAABAnAAAAAAAAAAAAAAAAAAAAAAAAAAAAAAAAAAAAAAAAAAAAABQAAAAAAAAAwMD/AAAAAABkAAAAMgAAAAAAAABkAAAAAAAAAH9/fwAKAAAAIgAAABgAAAAAAAAAAAAAAAAAAAAAAAAAAAAAAAAAAAAkAAAAJAAAAAAAAAAHAAAAAAAAAAAAAAAAAAAAAAAAAAAAAAAAAAAAf39/ACUAAABYAAAAAAAAAAAAAAAAAAAAAAAAAAAAAAAAAAAAAAAAAAAAAAAAAAAAAAAAAAAAAAA/AAAAAAAAAKCGAQAAAAAAAAAAAAAAAAAMAAAAAQAAAAAAAAAAAAAAAAAAAB8AAABUAAAAAAAABQAAAAEAAAAAAAAAAAAAAAAAAAAAAAAAAAAAAAAAAAAAAAAAAAAAAAJ/f38AAAAAA8zMzADAwP8Af39/AAAAAAAAAAAAAAAAAAAAAAAAAAAAIQAAABgAAAAUAAAAwTUAABsnAABARwAAWSkAABAAAAAmAAAACAAAAAAAAAAAAAAAMAAAABQAAAAAAAAAAAD//wAAAQAAAP//AAABAA=="/>
               </a:ext>
             </a:extLst>
           </p:cNvSpPr>
@@ -1929,7 +1929,7 @@
           <a:lstStyle/>
           <a:p>
             <a:pPr/>
-            <a:fld id="{3D25CF66-28D0-7039-9E9D-DE6C81D3688B}" type="slidenum">
+            <a:fld id="{3D8E5762-2CD0-DBA1-9E36-DAF41978688F}" type="slidenum">
               <a:t/>
             </a:fld>
           </a:p>
@@ -1968,7 +1968,7 @@
             <a:spLocks noGrp="1" noChangeArrowheads="1"/>
             <a:extLst>
               <a:ext uri="smNativeData">
-                <pr:smNativeData xmlns:pr="smNativeData" xmlns="smNativeData" val="SMDATA_16_jeCHZxMAAAAlAAAAZAAAAA8BAAAAkAAAAEgAAACQAAAASAAAAAAAAAABAAAAAAAAAAEAAABQAAAAAAAAAAAA4D8AAAAAAADgPwAAAAAAAOA/AAAAAAAA4D8AAAAAAADgPwAAAAAAAOA/AAAAAAAA4D8AAAAAAADgPwAAAAAAAOA/AAAAAAAA4D8CAAAAjAAAAAAAAAAAAAAAu+DjDP///wgAAAAAAAAAAAAAAAAAAAAAAAAAAAAAAAAAAAAAZAAAAAEAAABAAAAAAAAAAAAAAAAAAAAAAAAAAAAAAAAAAAAAAAAAAAAAAAAAAAAAAAAAAAAAAAAAAAAAAAAAAAAAAAAAAAAAAAAAAAAAAAAAAAAAAAAAAAAAAAAAAAAAFAAAADwAAAAAAAAAAAAAAAAAAAkUAAAAAQAAABQAAAAUAAAAFAAAAAEAAAAAAAAAZAAAAGQAAAAAAAAAZAAAAGQAAAAVAAAAYAAAAAAAAAAAAAAADwAAACADAAAAAAAAAAAAAAEAAACgMgAAVgcAAKr4//8BAAAAf39/AAEAAABkAAAAAAAAABQAAABAHwAAAAAAACYAAAAAAAAAwOD//wAAAAAmAAAAZAAAABYAAABMAAAAAAAAAAAAAAAEAAAAAAAAAAEAAACAgIAKAAAAACgAAAAoAAAAZAAAAGQAAAAAAAAAzMzMAAAAAABQAAAAUAAAAGQAAABkAAAAAAAAABcAAAAUAAAAAAAAAAAAAAD/fwAA/38AAAAAAAAJAAAABAAAANw7IAEeAAAAaAAAAAAAAAAAAAAAAAAAAAAAAAAAAAAAECcAABAnAAAAAAAAAAAAAAAAAAAAAAAAAAAAAAAAAAAAAAAAAAAAABQAAAAAAAAAwMD/AAAAAABkAAAAMgAAAAAAAABkAAAAAAAAAH9/fwAKAAAAIgAAABgAAAAAAAAAAAAAAAAAAAAAAAAAAAAAAAAAAAAkAAAAJAAAAAAAAAAHAAAAAAAAAAAAAAAAAAAAAAAAAAAAAAAAAAAAf39/ACUAAABYAAAAAAAAAAAAAAAAAAAAAAAAAAAAAAAAAAAAAAAAAAAAAAAAAAAAAAAAAAAAAAA/AAAAAAAAAKCGAQAAAAAAAAAAAAAAAAAMAAAAAQAAAAAAAAAAAAAAAAAAAB8AAABUAAAAAAAABQAAAAEAAAAAAAAAAAAAAAAAAAAAAAAAAAAAAAAAAAAAAAAAAAAAAAJ/f38AAAAAA8zMzADAwP8Af39/AAAAAAAAAAAAAAAAAAAAAAAAAAAAIQAAABgAAAAUAAAAwAMAALABAABARwAAuAgAABAAAAAmAAAACAAAAAAAAAAAAAAAMAAAABQAAAAAAAAAAAD//wAAAQAAAP//AAABAA=="/>
+                <pr:smNativeData xmlns:pr="smNativeData" xmlns="smNativeData" val="SMDATA_16_oViJZxMAAAAlAAAAZAAAAA8BAAAAkAAAAEgAAACQAAAASAAAAAAAAAABAAAAAAAAAAEAAABQAAAAAAAAAAAA4D8AAAAAAADgPwAAAAAAAOA/AAAAAAAA4D8AAAAAAADgPwAAAAAAAOA/AAAAAAAA4D8AAAAAAADgPwAAAAAAAOA/AAAAAAAA4D8CAAAAjAAAAAAAAAAAAAAAu+DjDP///wgAAAAAAAAAAAAAAAAAAAAAAAAAAAAAAAAAAAAAZAAAAAEAAABAAAAAAAAAAAAAAAAAAAAAAAAAAAAAAAAAAAAAAAAAAAAAAAAAAAAAAAAAAAAAAAAAAAAAAAAAAAAAAAAAAAAAAAAAAAAAAAAAAAAAAAAAAAAAAAAAAAAAFAAAADwAAAAAAAAAAAAAAAAAAAkUAAAAAQAAABQAAAAUAAAAFAAAAAEAAAAAAAAAZAAAAGQAAAAAAAAAZAAAAGQAAAAVAAAAYAAAAAAAAAAAAAAADwAAACADAAAAAAAAAAAAAAEAAACgMgAAVgcAAKr4//8BAAAAf39/AAEAAABkAAAAAAAAABQAAABAHwAAAAAAACYAAAAAAAAAwOD//wAAAAAmAAAAZAAAABYAAABMAAAAAAAAAAAAAAAEAAAAAAAAAAEAAACAgIAKAAAAACgAAAAoAAAAZAAAAGQAAAAAAAAAzMzMAAAAAABQAAAAUAAAAGQAAABkAAAAAAAAABcAAAAUAAAAAAAAAAAAAAD/fwAA/38AAAAAAAAJAAAABAAAANw7IAEeAAAAaAAAAAAAAAAAAAAAAAAAAAAAAAAAAAAAECcAABAnAAAAAAAAAAAAAAAAAAAAAAAAAAAAAAAAAAAAAAAAAAAAABQAAAAAAAAAwMD/AAAAAABkAAAAMgAAAAAAAABkAAAAAAAAAH9/fwAKAAAAIgAAABgAAAAAAAAAAAAAAAAAAAAAAAAAAAAAAAAAAAAkAAAAJAAAAAAAAAAHAAAAAAAAAAAAAAAAAAAAAAAAAAAAAAAAAAAAf39/ACUAAABYAAAAAAAAAAAAAAAAAAAAAAAAAAAAAAAAAAAAAAAAAAAAAAAAAAAAAAAAAAAAAAA/AAAAAAAAAKCGAQAAAAAAAAAAAAAAAAAMAAAAAQAAAAAAAAAAAAAAAAAAAB8AAABUAAAAAAAABQAAAAEAAAAAAAAAAAAAAAAAAAAAAAAAAAAAAAAAAAAAAAAAAAAAAAJ/f38AAAAAA8zMzADAwP8Af39/AAAAAAAAAAAAAAAAAAAAAAAAAAAAIQAAABgAAAAUAAAAwAMAALABAABARwAAuAgAABAAAAAmAAAACAAAAAAAAAAAAAAAMAAAABQAAAAAAAAAAAD//wAAAQAAAP//AAABAA=="/>
               </a:ext>
             </a:extLst>
           </p:cNvSpPr>
@@ -1995,7 +1995,7 @@
             <a:spLocks noGrp="1" noChangeArrowheads="1"/>
             <a:extLst>
               <a:ext uri="smNativeData">
-                <pr:smNativeData xmlns:pr="smNativeData" xmlns="smNativeData" val="SMDATA_16_jeCHZxMAAAAlAAAAZAAAAA8BAAAAkAAAAEgAAACQAAAASAAAAAAAAAABAAAAAAAAAAEAAABQAAAAAAAAAAAA4D8AAAAAAADgPwAAAAAAAOA/AAAAAAAA4D8AAAAAAADgPwAAAAAAAOA/AAAAAAAA4D8AAAAAAADgPwAAAAAAAOA/AAAAAAAA4D8CAAAAjAAAAAAAAAAAAAAAu+DjDP///wgAAAAAAAAAAAAAAAAAAAAAAAAAAAAAAAAAAAAAZAAAAAEAAABAAAAAAAAAAAAAAAAAAAAAAAAAAAAAAAAAAAAAAAAAAAAAAAAAAAAAAAAAAAAAAAAAAAAAAAAAAAAAAAAAAAAAAAAAAAAAAAAAAAAAAAAAAAAAAAAAAAAAFAAAADwAAAAAAAAAAAAAAAAAAAkUAAAAAQAAABQAAAAUAAAAFAAAAAEAAAAAAAAAZAAAAGQAAAAAAAAAZAAAAGQAAAAVAAAAYAAAAAAAAAAAAAAADwAAACADAAAAAAAAAAAAAAEAAACgMgAAVgcAAKr4//8BAAAAf39/AAEAAABkAAAAAAAAABQAAABAHwAAAAAAACYAAAAAAAAAwOD//wAAAAAmAAAAZAAAABYAAABMAAAAAAAAAAAAAAAEAAAAAAAAAAEAAACAgIAKAAAAACgAAAAoAAAAZAAAAGQAAAAAAAAAzMzMAAAAAABQAAAAUAAAAGQAAABkAAAAAAAAABcAAAAUAAAAAAAAAAAAAAD/fwAA/38AAAAAAAAJAAAABAAAANw7IAEeAAAAaAAAAAAAAAAAAAAAAAAAAAAAAAAAAAAAECcAABAnAAAAAAAAAAAAAAAAAAAAAAAAAAAAAAAAAAAAAAAAAAAAABQAAAAAAAAAwMD/AAAAAABkAAAAMgAAAAAAAABkAAAAAAAAAH9/fwAKAAAAIgAAABgAAAAAAAAAAAAAAAAAAAAAAAAAAAAAAAAAAAAkAAAAJAAAAAAAAAAHAAAAAAAAAAAAAAAAAAAAAAAAAAAAAAAAAAAAf39/ACUAAABYAAAAAAAAAAAAAAAAAAAAAAAAAAAAAAAAAAAAAAAAAAAAAAAAAAAAAAAAAAAAAAA/AAAAAAAAAKCGAQAAAAAAAAAAAAAAAAAMAAAAAQAAAAAAAAAAAAAAAAAAAB8AAABUAAAAAAAABQAAAAEAAAAAAAAAAAAAAAAAAAAAAAAAAAAAAAAAAAAAAAAAAAAAAAJ/f38AAAAAA8zMzADAwP8Af39/AAAAAAAAAAAAAAAAAAAAAAAAAAAAIQAAABgAAAAUAAAAwAMAABsnAAA/FQAAWSkAABAAAAAmAAAACAAAAAAAAAAAAAAAMAAAABQAAAAAAAAAAAD//wAAAQAAAP//AAABAA=="/>
+                <pr:smNativeData xmlns:pr="smNativeData" xmlns="smNativeData" val="SMDATA_16_oViJZxMAAAAlAAAAZAAAAA8BAAAAkAAAAEgAAACQAAAASAAAAAAAAAABAAAAAAAAAAEAAABQAAAAAAAAAAAA4D8AAAAAAADgPwAAAAAAAOA/AAAAAAAA4D8AAAAAAADgPwAAAAAAAOA/AAAAAAAA4D8AAAAAAADgPwAAAAAAAOA/AAAAAAAA4D8CAAAAjAAAAAAAAAAAAAAAu+DjDP///wgAAAAAAAAAAAAAAAAAAAAAAAAAAAAAAAAAAAAAZAAAAAEAAABAAAAAAAAAAAAAAAAAAAAAAAAAAAAAAAAAAAAAAAAAAAAAAAAAAAAAAAAAAAAAAAAAAAAAAAAAAAAAAAAAAAAAAAAAAAAAAAAAAAAAAAAAAAAAAAAAAAAAFAAAADwAAAAAAAAAAAAAAAAAAAkUAAAAAQAAABQAAAAUAAAAFAAAAAEAAAAAAAAAZAAAAGQAAAAAAAAAZAAAAGQAAAAVAAAAYAAAAAAAAAAAAAAADwAAACADAAAAAAAAAAAAAAEAAACgMgAAVgcAAKr4//8BAAAAf39/AAEAAABkAAAAAAAAABQAAABAHwAAAAAAACYAAAAAAAAAwOD//wAAAAAmAAAAZAAAABYAAABMAAAAAAAAAAAAAAAEAAAAAAAAAAEAAACAgIAKAAAAACgAAAAoAAAAZAAAAGQAAAAAAAAAzMzMAAAAAABQAAAAUAAAAGQAAABkAAAAAAAAABcAAAAUAAAAAAAAAAAAAAD/fwAA/38AAAAAAAAJAAAABAAAANw7IAEeAAAAaAAAAAAAAAAAAAAAAAAAAAAAAAAAAAAAECcAABAnAAAAAAAAAAAAAAAAAAAAAAAAAAAAAAAAAAAAAAAAAAAAABQAAAAAAAAAwMD/AAAAAABkAAAAMgAAAAAAAABkAAAAAAAAAH9/fwAKAAAAIgAAABgAAAAAAAAAAAAAAAAAAAAAAAAAAAAAAAAAAAAkAAAAJAAAAAAAAAAHAAAAAAAAAAAAAAAAAAAAAAAAAAAAAAAAAAAAf39/ACUAAABYAAAAAAAAAAAAAAAAAAAAAAAAAAAAAAAAAAAAAAAAAAAAAAAAAAAAAAAAAAAAAAA/AAAAAAAAAKCGAQAAAAAAAAAAAAAAAAAMAAAAAQAAAAAAAAAAAAAAAAAAAB8AAABUAAAAAAAABQAAAAEAAAAAAAAAAAAAAAAAAAAAAAAAAAAAAAAAAAAAAAAAAAAAAAJ/f38AAAAAA8zMzADAwP8Af39/AAAAAAAAAAAAAAAAAAAAAAAAAAAAIQAAABgAAAAUAAAAwAMAABsnAAA/FQAAWSkAABAAAAAmAAAACAAAAAAAAAAAAAAAMAAAABQAAAAAAAAAAAD//wAAAQAAAP//AAABAA=="/>
               </a:ext>
             </a:extLst>
           </p:cNvSpPr>
@@ -2009,7 +2009,7 @@
           <a:lstStyle/>
           <a:p>
             <a:pPr/>
-            <a:fld id="{3D2593B2-FCD0-7065-9E9D-0A30DDD3685F}" type="datetime1">
+            <a:fld id="{3D8E6F6E-20D0-DB99-9E36-D6CC21786883}" type="datetime1">
               <a:t/>
             </a:fld>
           </a:p>
@@ -2022,7 +2022,7 @@
             <a:spLocks noGrp="1" noChangeArrowheads="1"/>
             <a:extLst>
               <a:ext uri="smNativeData">
-                <pr:smNativeData xmlns:pr="smNativeData" xmlns="smNativeData" val="SMDATA_16_jeCHZxMAAAAlAAAAZAAAAA8BAAAAkAAAAEgAAACQAAAASAAAAAAAAAABAAAAAAAAAAEAAABQAAAAAAAAAAAA4D8AAAAAAADgPwAAAAAAAOA/AAAAAAAA4D8AAAAAAADgPwAAAAAAAOA/AAAAAAAA4D8AAAAAAADgPwAAAAAAAOA/AAAAAAAA4D8CAAAAjAAAAAAAAAAAAAAAu+DjDP///wgAAAAAAAAAAAAAAAAAAAAAAAAAAAAAAAAAAAAAZAAAAAEAAABAAAAAAAAAAAAAAAAAAAAAAAAAAAAAAAAAAAAAAAAAAAAAAAAAAAAAAAAAAAAAAAAAAAAAAAAAAAAAAAAAAAAAAAAAAAAAAAAAAAAAAAAAAAAAAAAAAAAAFAAAADwAAAAAAAAAAAAAAAAAAAkUAAAAAQAAABQAAAAUAAAAFAAAAAEAAAAAAAAAZAAAAGQAAAAAAAAAZAAAAGQAAAAVAAAAYAAAAAAAAAAAAAAADwAAACADAAAAAAAAAAAAAAEAAACgMgAAVgcAAKr4//8BAAAAf39/AAEAAABkAAAAAAAAABQAAABAHwAAAAAAACYAAAAAAAAAwOD//wAAAAAmAAAAZAAAABYAAABMAAAAAAAAAAAAAAAEAAAAAAAAAAEAAACAgIAKAAAAACgAAAAoAAAAZAAAAGQAAAAAAAAAzMzMAAAAAABQAAAAUAAAAGQAAABkAAAAAAAAABcAAAAUAAAAAAAAAAAAAAD/fwAA/38AAAAAAAAJAAAABAAAANw7IAEeAAAAaAAAAAAAAAAAAAAAAAAAAAAAAAAAAAAAECcAABAnAAAAAAAAAAAAAAAAAAAAAAAAAAAAAAAAAAAAAAAAAAAAABQAAAAAAAAAwMD/AAAAAABkAAAAMgAAAAAAAABkAAAAAAAAAH9/fwAKAAAAIgAAABgAAAAAAAAAAAAAAAAAAAAAAAAAAAAAAAAAAAAkAAAAJAAAAAAAAAAHAAAAAAAAAAAAAAAAAAAAAAAAAAAAAAAAAAAAf39/ACUAAABYAAAAAAAAAAAAAAAAAAAAAAAAAAAAAAAAAAAAAAAAAAAAAAAAAAAAAAAAAAAAAAA/AAAAAAAAAKCGAQAAAAAAAAAAAAAAAAAMAAAAAQAAAAAAAAAAAAAAAAAAAB8AAABUAAAAAAAABQAAAAEAAAAAAAAAAAAAAAAAAAAAAAAAAAAAAAAAAAAAAAAAAAAAAAJ/f38AAAAAA8zMzADAwP8Af39/AAAAAAAAAAAAAAAAAAAAAAAAAAAAIQAAABgAAAAUAAAAoRkAABsnAABfMQAAWSkAABAAAAAmAAAACAAAAAAAAAAAAAAAMAAAABQAAAAAAAAAAAD//wAAAQAAAP//AAABAA=="/>
+                <pr:smNativeData xmlns:pr="smNativeData" xmlns="smNativeData" val="SMDATA_16_oViJZxMAAAAlAAAAZAAAAA8BAAAAkAAAAEgAAACQAAAASAAAAAAAAAABAAAAAAAAAAEAAABQAAAAAAAAAAAA4D8AAAAAAADgPwAAAAAAAOA/AAAAAAAA4D8AAAAAAADgPwAAAAAAAOA/AAAAAAAA4D8AAAAAAADgPwAAAAAAAOA/AAAAAAAA4D8CAAAAjAAAAAAAAAAAAAAAu+DjDP///wgAAAAAAAAAAAAAAAAAAAAAAAAAAAAAAAAAAAAAZAAAAAEAAABAAAAAAAAAAAAAAAAAAAAAAAAAAAAAAAAAAAAAAAAAAAAAAAAAAAAAAAAAAAAAAAAAAAAAAAAAAAAAAAAAAAAAAAAAAAAAAAAAAAAAAAAAAAAAAAAAAAAAFAAAADwAAAAAAAAAAAAAAAAAAAkUAAAAAQAAABQAAAAUAAAAFAAAAAEAAAAAAAAAZAAAAGQAAAAAAAAAZAAAAGQAAAAVAAAAYAAAAAAAAAAAAAAADwAAACADAAAAAAAAAAAAAAEAAACgMgAAVgcAAKr4//8BAAAAf39/AAEAAABkAAAAAAAAABQAAABAHwAAAAAAACYAAAAAAAAAwOD//wAAAAAmAAAAZAAAABYAAABMAAAAAAAAAAAAAAAEAAAAAAAAAAEAAACAgIAKAAAAACgAAAAoAAAAZAAAAGQAAAAAAAAAzMzMAAAAAABQAAAAUAAAAGQAAABkAAAAAAAAABcAAAAUAAAAAAAAAAAAAAD/fwAA/38AAAAAAAAJAAAABAAAANw7IAEeAAAAaAAAAAAAAAAAAAAAAAAAAAAAAAAAAAAAECcAABAnAAAAAAAAAAAAAAAAAAAAAAAAAAAAAAAAAAAAAAAAAAAAABQAAAAAAAAAwMD/AAAAAABkAAAAMgAAAAAAAABkAAAAAAAAAH9/fwAKAAAAIgAAABgAAAAAAAAAAAAAAAAAAAAAAAAAAAAAAAAAAAAkAAAAJAAAAAAAAAAHAAAAAAAAAAAAAAAAAAAAAAAAAAAAAAAAAAAAf39/ACUAAABYAAAAAAAAAAAAAAAAAAAAAAAAAAAAAAAAAAAAAAAAAAAAAAAAAAAAAAAAAAAAAAA/AAAAAAAAAKCGAQAAAAAAAAAAAAAAAAAMAAAAAQAAAAAAAAAAAAAAAAAAAB8AAABUAAAAAAAABQAAAAEAAAAAAAAAAAAAAAAAAAAAAAAAAAAAAAAAAAAAAAAAAAAAAAJ/f38AAAAAA8zMzADAwP8Af39/AAAAAAAAAAAAAAAAAAAAAAAAAAAAIQAAABgAAAAUAAAAoRkAABsnAABfMQAAWSkAABAAAAAmAAAACAAAAAAAAAAAAAAAMAAAABQAAAAAAAAAAAD//wAAAQAAAP//AAABAA=="/>
               </a:ext>
             </a:extLst>
           </p:cNvSpPr>
@@ -2046,7 +2046,7 @@
             <a:spLocks noGrp="1" noChangeArrowheads="1"/>
             <a:extLst>
               <a:ext uri="smNativeData">
-                <pr:smNativeData xmlns:pr="smNativeData" xmlns="smNativeData" val="SMDATA_16_jeCHZxMAAAAlAAAAZAAAAA8BAAAAkAAAAEgAAACQAAAASAAAAAAAAAABAAAAAAAAAAEAAABQAAAAAAAAAAAA4D8AAAAAAADgPwAAAAAAAOA/AAAAAAAA4D8AAAAAAADgPwAAAAAAAOA/AAAAAAAA4D8AAAAAAADgPwAAAAAAAOA/AAAAAAAA4D8CAAAAjAAAAAAAAAAAAAAAu+DjDP///wgAAAAAAAAAAAAAAAAAAAAAAAAAAAAAAAAAAAAAZAAAAAEAAABAAAAAAAAAAAAAAAAAAAAAAAAAAAAAAAAAAAAAAAAAAAAAAAAAAAAAAAAAAAAAAAAAAAAAAAAAAAAAAAAAAAAAAAAAAAAAAAAAAAAAAAAAAAAAAAAAAAAAFAAAADwAAAAAAAAAAAAAAAAAAAkUAAAAAQAAABQAAAAUAAAAFAAAAAEAAAAAAAAAZAAAAGQAAAAAAAAAZAAAAGQAAAAVAAAAYAAAAAAAAAAAAAAADwAAACADAAAAAAAAAAAAAAEAAACgMgAAVgcAAKr4//8BAAAAf39/AAEAAABkAAAAAAAAABQAAABAHwAAAAAAACYAAAAAAAAAwOD//wAAAAAmAAAAZAAAABYAAABMAAAAAAAAAAAAAAAEAAAAAAAAAAEAAACAgIAKAAAAACgAAAAoAAAAZAAAAGQAAAAAAAAAzMzMAAAAAABQAAAAUAAAAGQAAABkAAAAAAAAABcAAAAUAAAAAAAAAAAAAAD/fwAA/38AAAAAAAAJAAAABAAAANw7IAEeAAAAaAAAAAAAAAAAAAAAAAAAAAAAAAAAAAAAECcAABAnAAAAAAAAAAAAAAAAAAAAAAAAAAAAAAAAAAAAAAAAAAAAABQAAAAAAAAAwMD/AAAAAABkAAAAMgAAAAAAAABkAAAAAAAAAH9/fwAKAAAAIgAAABgAAAAAAAAAAAAAAAAAAAAAAAAAAAAAAAAAAAAkAAAAJAAAAAAAAAAHAAAAAAAAAAAAAAAAAAAAAAAAAAAAAAAAAAAAf39/ACUAAABYAAAAAAAAAAAAAAAAAAAAAAAAAAAAAAAAAAAAAAAAAAAAAAAAAAAAAAAAAAAAAAA/AAAAAAAAAKCGAQAAAAAAAAAAAAAAAAAMAAAAAQAAAAAAAAAAAAAAAAAAAB8AAABUAAAAAAAABQAAAAEAAAAAAAAAAAAAAAAAAAAAAAAAAAAAAAAAAAAAAAAAAAAAAAJ/f38AAAAAA8zMzADAwP8Af39/AAAAAAAAAAAAAAAAAAAAAAAAAAAAIQAAABgAAAAUAAAAwTUAABsnAABARwAAWSkAABAAAAAmAAAACAAAAAAAAAAAAAAAMAAAABQAAAAAAAAAAAD//wAAAQAAAP//AAABAA=="/>
+                <pr:smNativeData xmlns:pr="smNativeData" xmlns="smNativeData" val="SMDATA_16_oViJZxMAAAAlAAAAZAAAAA8BAAAAkAAAAEgAAACQAAAASAAAAAAAAAABAAAAAAAAAAEAAABQAAAAAAAAAAAA4D8AAAAAAADgPwAAAAAAAOA/AAAAAAAA4D8AAAAAAADgPwAAAAAAAOA/AAAAAAAA4D8AAAAAAADgPwAAAAAAAOA/AAAAAAAA4D8CAAAAjAAAAAAAAAAAAAAAu+DjDP///wgAAAAAAAAAAAAAAAAAAAAAAAAAAAAAAAAAAAAAZAAAAAEAAABAAAAAAAAAAAAAAAAAAAAAAAAAAAAAAAAAAAAAAAAAAAAAAAAAAAAAAAAAAAAAAAAAAAAAAAAAAAAAAAAAAAAAAAAAAAAAAAAAAAAAAAAAAAAAAAAAAAAAFAAAADwAAAAAAAAAAAAAAAAAAAkUAAAAAQAAABQAAAAUAAAAFAAAAAEAAAAAAAAAZAAAAGQAAAAAAAAAZAAAAGQAAAAVAAAAYAAAAAAAAAAAAAAADwAAACADAAAAAAAAAAAAAAEAAACgMgAAVgcAAKr4//8BAAAAf39/AAEAAABkAAAAAAAAABQAAABAHwAAAAAAACYAAAAAAAAAwOD//wAAAAAmAAAAZAAAABYAAABMAAAAAAAAAAAAAAAEAAAAAAAAAAEAAACAgIAKAAAAACgAAAAoAAAAZAAAAGQAAAAAAAAAzMzMAAAAAABQAAAAUAAAAGQAAABkAAAAAAAAABcAAAAUAAAAAAAAAAAAAAD/fwAA/38AAAAAAAAJAAAABAAAANw7IAEeAAAAaAAAAAAAAAAAAAAAAAAAAAAAAAAAAAAAECcAABAnAAAAAAAAAAAAAAAAAAAAAAAAAAAAAAAAAAAAAAAAAAAAABQAAAAAAAAAwMD/AAAAAABkAAAAMgAAAAAAAABkAAAAAAAAAH9/fwAKAAAAIgAAABgAAAAAAAAAAAAAAAAAAAAAAAAAAAAAAAAAAAAkAAAAJAAAAAAAAAAHAAAAAAAAAAAAAAAAAAAAAAAAAAAAAAAAAAAAf39/ACUAAABYAAAAAAAAAAAAAAAAAAAAAAAAAAAAAAAAAAAAAAAAAAAAAAAAAAAAAAAAAAAAAAA/AAAAAAAAAKCGAQAAAAAAAAAAAAAAAAAMAAAAAQAAAAAAAAAAAAAAAAAAAB8AAABUAAAAAAAABQAAAAEAAAAAAAAAAAAAAAAAAAAAAAAAAAAAAAAAAAAAAAAAAAAAAAJ/f38AAAAAA8zMzADAwP8Af39/AAAAAAAAAAAAAAAAAAAAAAAAAAAAIQAAABgAAAAUAAAAwTUAABsnAABARwAAWSkAABAAAAAmAAAACAAAAAAAAAAAAAAAMAAAABQAAAAAAAAAAAD//wAAAQAAAP//AAABAA=="/>
               </a:ext>
             </a:extLst>
           </p:cNvSpPr>
@@ -2060,7 +2060,7 @@
           <a:lstStyle/>
           <a:p>
             <a:pPr/>
-            <a:fld id="{3D25AF55-1BD0-7059-9E9D-ED0CE1D368B8}" type="slidenum">
+            <a:fld id="{3D8E7056-18D0-DB86-9E36-EED33E7868BB}" type="slidenum">
               <a:t/>
             </a:fld>
           </a:p>
@@ -2099,7 +2099,7 @@
             <a:spLocks noGrp="1" noChangeArrowheads="1"/>
             <a:extLst>
               <a:ext uri="smNativeData">
-                <pr:smNativeData xmlns:pr="smNativeData" xmlns="smNativeData" val="SMDATA_16_jeCHZxMAAAAlAAAAZAAAAA8BAAAAkAAAAEgAAACQAAAASAAAAAAAAAABAAAAAAAAAAEAAABQAAAAAAAAAAAA4D8AAAAAAADgPwAAAAAAAOA/AAAAAAAA4D8AAAAAAADgPwAAAAAAAOA/AAAAAAAA4D8AAAAAAADgPwAAAAAAAOA/AAAAAAAA4D8CAAAAjAAAAAAAAAAAAAAAu+DjDP///wgAAAAAAAAAAAAAAAAAAAAAAAAAAAAAAAAAAAAAZAAAAAEAAABAAAAAAAAAAAAAAAAAAAAAAAAAAAAAAAAAAAAAAAAAAAAAAAAAAAAAAAAAAAAAAAAAAAAAAAAAAAAAAAAAAAAAAAAAAAAAAAAAAAAAAAAAAAAAAAAAAAAAFAAAADwAAAAAAAAAAAAAAAAAAAkUAAAAAQAAABQAAAAUAAAAFAAAAAEAAAAAAAAAZAAAAGQAAAAAAAAAZAAAAGQAAAAVAAAAYAAAAAAAAAAAAAAADwAAACADAAAAAAAAAAAAAAEAAACgMgAAVgcAAKr4//8BAAAAf39/AAEAAABkAAAAAAAAABQAAABAHwAAAAAAACYAAAAAAAAAwOD//wAAAAAmAAAAZAAAABYAAABMAAAAAAAAAAAAAAAEAAAAAAAAAAEAAACAgIAKAAAAACgAAAAoAAAAZAAAAGQAAAAAAAAAzMzMAAAAAABQAAAAUAAAAGQAAABkAAAAAAAAABcAAAAUAAAAAAAAAAAAAAD/fwAA/38AAAAAAAAJAAAABAAAANw7IAEeAAAAaAAAAAAAAAAAAAAAAAAAAAAAAAAAAAAAECcAABAnAAAAAAAAAAAAAAAAAAAAAAAAAAAAAAAAAAAAAAAAAAAAABQAAAAAAAAAwMD/AAAAAABkAAAAMgAAAAAAAABkAAAAAAAAAH9/fwAKAAAAIgAAABgAAAAAAAAAAAAAAAAAAAAAAAAAAAAAAAAAAAAkAAAAJAAAAAAAAAAHAAAAAAAAAAAAAAAAAAAAAAAAAAAAAAAAAAAAf39/ACUAAABYAAAAAAAAAAAAAAAAAAAAAAAAAAAAAAAAAAAAAAAAAAAAAAAAAAAAAAAAAAAAAAA/AAAAAAAAAKCGAQAAAAAAAAAAAAAAAAAMAAAAAQAAAAAAAAAAAAAAAAAAAB8AAABUAAAAAAAABQAAAAEAAAAAAAAAAAAAAAAAAAAAAAAAAAAAAAAAAAAAAAAAAAAAAAJ/f38AAAAAA8zMzADAwP8Af39/AAAAAAAAAAAAAAAAAAAAAAAAAAAAIQAAABgAAAAUAAAAwAMAABsnAAA/FQAAWSkAABAAAAAmAAAACAAAAAAAAAAAAAAAMAAAABQAAAAAAAAAAAD//wAAAQAAAP//AAABAA=="/>
+                <pr:smNativeData xmlns:pr="smNativeData" xmlns="smNativeData" val="SMDATA_16_oViJZxMAAAAlAAAAZAAAAA8BAAAAkAAAAEgAAACQAAAASAAAAAAAAAABAAAAAAAAAAEAAABQAAAAAAAAAAAA4D8AAAAAAADgPwAAAAAAAOA/AAAAAAAA4D8AAAAAAADgPwAAAAAAAOA/AAAAAAAA4D8AAAAAAADgPwAAAAAAAOA/AAAAAAAA4D8CAAAAjAAAAAAAAAAAAAAAu+DjDP///wgAAAAAAAAAAAAAAAAAAAAAAAAAAAAAAAAAAAAAZAAAAAEAAABAAAAAAAAAAAAAAAAAAAAAAAAAAAAAAAAAAAAAAAAAAAAAAAAAAAAAAAAAAAAAAAAAAAAAAAAAAAAAAAAAAAAAAAAAAAAAAAAAAAAAAAAAAAAAAAAAAAAAFAAAADwAAAAAAAAAAAAAAAAAAAkUAAAAAQAAABQAAAAUAAAAFAAAAAEAAAAAAAAAZAAAAGQAAAAAAAAAZAAAAGQAAAAVAAAAYAAAAAAAAAAAAAAADwAAACADAAAAAAAAAAAAAAEAAACgMgAAVgcAAKr4//8BAAAAf39/AAEAAABkAAAAAAAAABQAAABAHwAAAAAAACYAAAAAAAAAwOD//wAAAAAmAAAAZAAAABYAAABMAAAAAAAAAAAAAAAEAAAAAAAAAAEAAACAgIAKAAAAACgAAAAoAAAAZAAAAGQAAAAAAAAAzMzMAAAAAABQAAAAUAAAAGQAAABkAAAAAAAAABcAAAAUAAAAAAAAAAAAAAD/fwAA/38AAAAAAAAJAAAABAAAANw7IAEeAAAAaAAAAAAAAAAAAAAAAAAAAAAAAAAAAAAAECcAABAnAAAAAAAAAAAAAAAAAAAAAAAAAAAAAAAAAAAAAAAAAAAAABQAAAAAAAAAwMD/AAAAAABkAAAAMgAAAAAAAABkAAAAAAAAAH9/fwAKAAAAIgAAABgAAAAAAAAAAAAAAAAAAAAAAAAAAAAAAAAAAAAkAAAAJAAAAAAAAAAHAAAAAAAAAAAAAAAAAAAAAAAAAAAAAAAAAAAAf39/ACUAAABYAAAAAAAAAAAAAAAAAAAAAAAAAAAAAAAAAAAAAAAAAAAAAAAAAAAAAAAAAAAAAAA/AAAAAAAAAKCGAQAAAAAAAAAAAAAAAAAMAAAAAQAAAAAAAAAAAAAAAAAAAB8AAABUAAAAAAAABQAAAAEAAAAAAAAAAAAAAAAAAAAAAAAAAAAAAAAAAAAAAAAAAAAAAAJ/f38AAAAAA8zMzADAwP8Af39/AAAAAAAAAAAAAAAAAAAAAAAAAAAAIQAAABgAAAAUAAAAwAMAABsnAAA/FQAAWSkAABAAAAAmAAAACAAAAAAAAAAAAAAAMAAAABQAAAAAAAAAAAD//wAAAQAAAP//AAABAA=="/>
               </a:ext>
             </a:extLst>
           </p:cNvSpPr>
@@ -2113,7 +2113,7 @@
           <a:lstStyle/>
           <a:p>
             <a:pPr/>
-            <a:fld id="{3D25849E-D0D0-7072-9E9D-2627CAD36873}" type="datetime1">
+            <a:fld id="{3D8E380A-44D0-DBCE-9E36-B29B767868E7}" type="datetime1">
               <a:t/>
             </a:fld>
           </a:p>
@@ -2126,7 +2126,7 @@
             <a:spLocks noGrp="1" noChangeArrowheads="1"/>
             <a:extLst>
               <a:ext uri="smNativeData">
-                <pr:smNativeData xmlns:pr="smNativeData" xmlns="smNativeData" val="SMDATA_16_jeCHZxMAAAAlAAAAZAAAAA8BAAAAkAAAAEgAAACQAAAASAAAAAAAAAABAAAAAAAAAAEAAABQAAAAAAAAAAAA4D8AAAAAAADgPwAAAAAAAOA/AAAAAAAA4D8AAAAAAADgPwAAAAAAAOA/AAAAAAAA4D8AAAAAAADgPwAAAAAAAOA/AAAAAAAA4D8CAAAAjAAAAAAAAAAAAAAAu+DjDP///wgAAAAAAAAAAAAAAAAAAAAAAAAAAAAAAAAAAAAAZAAAAAEAAABAAAAAAAAAAAAAAAAAAAAAAAAAAAAAAAAAAAAAAAAAAAAAAAAAAAAAAAAAAAAAAAAAAAAAAAAAAAAAAAAAAAAAAAAAAAAAAAAAAAAAAAAAAAAAAAAAAAAAFAAAADwAAAAAAAAAAAAAAAAAAAkUAAAAAQAAABQAAAAUAAAAFAAAAAEAAAAAAAAAZAAAAGQAAAAAAAAAZAAAAGQAAAAVAAAAYAAAAAAAAAAAAAAADwAAACADAAAAAAAAAAAAAAEAAACgMgAAVgcAAKr4//8BAAAAf39/AAEAAABkAAAAAAAAABQAAABAHwAAAAAAACYAAAAAAAAAwOD//wAAAAAmAAAAZAAAABYAAABMAAAAAAAAAAAAAAAEAAAAAAAAAAEAAACAgIAKAAAAACgAAAAoAAAAZAAAAGQAAAAAAAAAzMzMAAAAAABQAAAAUAAAAGQAAABkAAAAAAAAABcAAAAUAAAAAAAAAAAAAAD/fwAA/38AAAAAAAAJAAAABAAAAAAAAAAeAAAAaAAAAAAAAAAAAAAAAAAAAAAAAAAAAAAAECcAABAnAAAAAAAAAAAAAAAAAAAAAAAAAAAAAAAAAAAAAAAAAAAAABQAAAAAAAAAwMD/AAAAAABkAAAAMgAAAAAAAABkAAAAAAAAAH9/fwAKAAAAIgAAABgAAAAAAAAAAAAAAAAAAAAAAAAAAAAAAAAAAAAkAAAAJAAAAAAAAAAHAAAAAAAAAAAAAAAAAAAAAAAAAAAAAAAAAAAAf39/ACUAAABYAAAAAAAAAAAAAAAAAAAAAAAAAAAAAAAAAAAAAAAAAAAAAAAAAAAAAAAAAAAAAAA/AAAAAAAAAKCGAQAAAAAAAAAAAAAAAAAMAAAAAQAAAAAAAAAAAAAAAAAAAB8AAABUAAAAAAAABQAAAAEAAAAAAAAAAAAAAAAAAAAAAAAAAAAAAAAAAAAAAAAAAAAAAAJ/f38AAAAAA8zMzADAwP8Af39/AAAAAAAAAAAAAAAAAAAAAAAAAAAAIQAAABgAAAAUAAAAoRkAABsnAABfMQAAWSkAABAAAAAmAAAACAAAAAAAAAAAAAAAMAAAABQAAAAAAAAAAAD//wAAAQAAAP//AAABAA=="/>
+                <pr:smNativeData xmlns:pr="smNativeData" xmlns="smNativeData" val="SMDATA_16_oViJZxMAAAAlAAAAZAAAAA8BAAAAkAAAAEgAAACQAAAASAAAAAAAAAABAAAAAAAAAAEAAABQAAAAAAAAAAAA4D8AAAAAAADgPwAAAAAAAOA/AAAAAAAA4D8AAAAAAADgPwAAAAAAAOA/AAAAAAAA4D8AAAAAAADgPwAAAAAAAOA/AAAAAAAA4D8CAAAAjAAAAAAAAAAAAAAAu+DjDP///wgAAAAAAAAAAAAAAAAAAAAAAAAAAAAAAAAAAAAAZAAAAAEAAABAAAAAAAAAAAAAAAAAAAAAAAAAAAAAAAAAAAAAAAAAAAAAAAAAAAAAAAAAAAAAAAAAAAAAAAAAAAAAAAAAAAAAAAAAAAAAAAAAAAAAAAAAAAAAAAAAAAAAFAAAADwAAAAAAAAAAAAAAAAAAAkUAAAAAQAAABQAAAAUAAAAFAAAAAEAAAAAAAAAZAAAAGQAAAAAAAAAZAAAAGQAAAAVAAAAYAAAAAAAAAAAAAAADwAAACADAAAAAAAAAAAAAAEAAACgMgAAVgcAAKr4//8BAAAAf39/AAEAAABkAAAAAAAAABQAAABAHwAAAAAAACYAAAAAAAAAwOD//wAAAAAmAAAAZAAAABYAAABMAAAAAAAAAAAAAAAEAAAAAAAAAAEAAACAgIAKAAAAACgAAAAoAAAAZAAAAGQAAAAAAAAAzMzMAAAAAABQAAAAUAAAAGQAAABkAAAAAAAAABcAAAAUAAAAAAAAAAAAAAD/fwAA/38AAAAAAAAJAAAABAAAAAAAAAAeAAAAaAAAAAAAAAAAAAAAAAAAAAAAAAAAAAAAECcAABAnAAAAAAAAAAAAAAAAAAAAAAAAAAAAAAAAAAAAAAAAAAAAABQAAAAAAAAAwMD/AAAAAABkAAAAMgAAAAAAAABkAAAAAAAAAH9/fwAKAAAAIgAAABgAAAAAAAAAAAAAAAAAAAAAAAAAAAAAAAAAAAAkAAAAJAAAAAAAAAAHAAAAAAAAAAAAAAAAAAAAAAAAAAAAAAAAAAAAf39/ACUAAABYAAAAAAAAAAAAAAAAAAAAAAAAAAAAAAAAAAAAAAAAAAAAAAAAAAAAAAAAAAAAAAA/AAAAAAAAAKCGAQAAAAAAAAAAAAAAAAAMAAAAAQAAAAAAAAAAAAAAAAAAAB8AAABUAAAAAAAABQAAAAEAAAAAAAAAAAAAAAAAAAAAAAAAAAAAAAAAAAAAAAAAAAAAAAJ/f38AAAAAA8zMzADAwP8Af39/AAAAAAAAAAAAAAAAAAAAAAAAAAAAIQAAABgAAAAUAAAAoRkAABsnAABfMQAAWSkAABAAAAAmAAAACAAAAAAAAAAAAAAAMAAAABQAAAAAAAAAAAD//wAAAQAAAP//AAABAA=="/>
               </a:ext>
             </a:extLst>
           </p:cNvSpPr>
@@ -2150,7 +2150,7 @@
             <a:spLocks noGrp="1" noChangeArrowheads="1"/>
             <a:extLst>
               <a:ext uri="smNativeData">
-                <pr:smNativeData xmlns:pr="smNativeData" xmlns="smNativeData" val="SMDATA_16_jeCHZxMAAAAlAAAAZAAAAA8BAAAAkAAAAEgAAACQAAAASAAAAAAAAAABAAAAAAAAAAEAAABQAAAAAAAAAAAA4D8AAAAAAADgPwAAAAAAAOA/AAAAAAAA4D8AAAAAAADgPwAAAAAAAOA/AAAAAAAA4D8AAAAAAADgPwAAAAAAAOA/AAAAAAAA4D8CAAAAjAAAAAAAAAAAAAAAu+DjDP///wgAAAAAAAAAAAAAAAAAAAAAAAAAAAAAAAAAAAAAZAAAAAEAAABAAAAAAAAAAAAAAAAAAAAAAAAAAAAAAAAAAAAAAAAAAAAAAAAAAAAAAAAAAAAAAAAAAAAAAAAAAAAAAAAAAAAAAAAAAAAAAAAAAAAAAAAAAAAAAAAAAAAAFAAAADwAAAAAAAAAAAAAAAAAAAkUAAAAAQAAABQAAAAUAAAAFAAAAAEAAAAAAAAAZAAAAGQAAAAAAAAAZAAAAGQAAAAVAAAAYAAAAAAAAAAAAAAADwAAACADAAAAAAAAAAAAAAEAAACgMgAAVgcAAKr4//8BAAAAf39/AAEAAABkAAAAAAAAABQAAABAHwAAAAAAACYAAAAAAAAAwOD//wAAAAAmAAAAZAAAABYAAABMAAAAAAAAAAAAAAAEAAAAAAAAAAEAAACAgIAKAAAAACgAAAAoAAAAZAAAAGQAAAAAAAAAzMzMAAAAAABQAAAAUAAAAGQAAABkAAAAAAAAABcAAAAUAAAAAAAAAAAAAAD/fwAA/38AAAAAAAAJAAAABAAAAAAAAAAeAAAAaAAAAAAAAAAAAAAAAAAAAAAAAAAAAAAAECcAABAnAAAAAAAAAAAAAAAAAAAAAAAAAAAAAAAAAAAAAAAAAAAAABQAAAAAAAAAwMD/AAAAAABkAAAAMgAAAAAAAABkAAAAAAAAAH9/fwAKAAAAIgAAABgAAAAAAAAAAAAAAAAAAAAAAAAAAAAAAAAAAAAkAAAAJAAAAAAAAAAHAAAAAAAAAAAAAAAAAAAAAAAAAAAAAAAAAAAAf39/ACUAAABYAAAAAAAAAAAAAAAAAAAAAAAAAAAAAAAAAAAAAAAAAAAAAAAAAAAAAAAAAAAAAAA/AAAAAAAAAKCGAQAAAAAAAAAAAAAAAAAMAAAAAQAAAAAAAAAAAAAAAAAAAB8AAABUAAAAAAAABQAAAAEAAAAAAAAAAAAAAAAAAAAAAAAAAAAAAAAAAAAAAAAAAAAAAAJ/f38AAAAAA8zMzADAwP8Af39/AAAAAAAAAAAAAAAAAAAAAAAAAAAAIQAAABgAAAAUAAAAwTUAABsnAABARwAAWSkAABAAAAAmAAAACAAAAAAAAAAAAAAAMAAAABQAAAAAAAAAAAD//wAAAQAAAP//AAABAA=="/>
+                <pr:smNativeData xmlns:pr="smNativeData" xmlns="smNativeData" val="SMDATA_16_oViJZxMAAAAlAAAAZAAAAA8BAAAAkAAAAEgAAACQAAAASAAAAAAAAAABAAAAAAAAAAEAAABQAAAAAAAAAAAA4D8AAAAAAADgPwAAAAAAAOA/AAAAAAAA4D8AAAAAAADgPwAAAAAAAOA/AAAAAAAA4D8AAAAAAADgPwAAAAAAAOA/AAAAAAAA4D8CAAAAjAAAAAAAAAAAAAAAu+DjDP///wgAAAAAAAAAAAAAAAAAAAAAAAAAAAAAAAAAAAAAZAAAAAEAAABAAAAAAAAAAAAAAAAAAAAAAAAAAAAAAAAAAAAAAAAAAAAAAAAAAAAAAAAAAAAAAAAAAAAAAAAAAAAAAAAAAAAAAAAAAAAAAAAAAAAAAAAAAAAAAAAAAAAAFAAAADwAAAAAAAAAAAAAAAAAAAkUAAAAAQAAABQAAAAUAAAAFAAAAAEAAAAAAAAAZAAAAGQAAAAAAAAAZAAAAGQAAAAVAAAAYAAAAAAAAAAAAAAADwAAACADAAAAAAAAAAAAAAEAAACgMgAAVgcAAKr4//8BAAAAf39/AAEAAABkAAAAAAAAABQAAABAHwAAAAAAACYAAAAAAAAAwOD//wAAAAAmAAAAZAAAABYAAABMAAAAAAAAAAAAAAAEAAAAAAAAAAEAAACAgIAKAAAAACgAAAAoAAAAZAAAAGQAAAAAAAAAzMzMAAAAAABQAAAAUAAAAGQAAABkAAAAAAAAABcAAAAUAAAAAAAAAAAAAAD/fwAA/38AAAAAAAAJAAAABAAAAAAAAAAeAAAAaAAAAAAAAAAAAAAAAAAAAAAAAAAAAAAAECcAABAnAAAAAAAAAAAAAAAAAAAAAAAAAAAAAAAAAAAAAAAAAAAAABQAAAAAAAAAwMD/AAAAAABkAAAAMgAAAAAAAABkAAAAAAAAAH9/fwAKAAAAIgAAABgAAAAAAAAAAAAAAAAAAAAAAAAAAAAAAAAAAAAkAAAAJAAAAAAAAAAHAAAAAAAAAAAAAAAAAAAAAAAAAAAAAAAAAAAAf39/ACUAAABYAAAAAAAAAAAAAAAAAAAAAAAAAAAAAAAAAAAAAAAAAAAAAAAAAAAAAAAAAAAAAAA/AAAAAAAAAKCGAQAAAAAAAAAAAAAAAAAMAAAAAQAAAAAAAAAAAAAAAAAAAB8AAABUAAAAAAAABQAAAAEAAAAAAAAAAAAAAAAAAAAAAAAAAAAAAAAAAAAAAAAAAAAAAAJ/f38AAAAAA8zMzADAwP8Af39/AAAAAAAAAAAAAAAAAAAAAAAAAAAAIQAAABgAAAAUAAAAwTUAABsnAABARwAAWSkAABAAAAAmAAAACAAAAAAAAAAAAAAAMAAAABQAAAAAAAAAAAD//wAAAQAAAP//AAABAA=="/>
               </a:ext>
             </a:extLst>
           </p:cNvSpPr>
@@ -2164,7 +2164,7 @@
           <a:lstStyle/>
           <a:p>
             <a:pPr/>
-            <a:fld id="{3D258377-39D0-7075-9E9D-CF20CDD3689A}" type="slidenum">
+            <a:fld id="{3D8E28D0-9ED0-DBDE-9E36-688B6678683D}" type="slidenum">
               <a:t/>
             </a:fld>
           </a:p>
@@ -2203,7 +2203,7 @@
             <a:spLocks noGrp="1" noChangeArrowheads="1"/>
             <a:extLst>
               <a:ext uri="smNativeData">
-                <pr:smNativeData xmlns:pr="smNativeData" xmlns="smNativeData" val="SMDATA_16_jeCHZxMAAAAlAAAAZAAAAA8BAAAAkAAAAEgAAACQAAAASAAAAAAAAAACAAAAAAAAAAEAAABQAAAAAAAAAAAA4D8AAAAAAADgPwAAAAAAAOA/AAAAAAAA4D8AAAAAAADgPwAAAAAAAOA/AAAAAAAA4D8AAAAAAADgPwAAAAAAAOA/AAAAAAAA4D8CAAAAjAAAAAAAAAAAAAAAu+DjDP///wgAAAAAAAAAAAAAAAAAAAAAAAAAAAAAAAAAAAAAZAAAAAEAAABAAAAAAAAAAAAAAAAAAAAAAAAAAAAAAAAAAAAAAAAAAAAAAAAAAAAAAAAAAAAAAAAAAAAAAAAAAAAAAAAAAAAAAAAAAAAAAAAAAAAAAAAAAAAAAAAAAAAAFAAAADwAAAAAAAAAAAAAAAAAAAkUAAAAAQAAABQAAAAUAAAAFAAAAAEAAAAAAAAAZAAAAGQAAAAAAAAAZAAAAGQAAAAVAAAAYAAAAAAAAAAAAAAADwAAACADAAAAAAAAAAAAAAEAAACgMgAAVgcAAKr4//8BAAAAf39/AAEAAABkAAAAAAAAABQAAABAHwAAAAAAACYAAAAAAAAAwOD//wAAAAAmAAAAZAAAABYAAABMAAAAAAAAAAAAAAAEAAAAAAAAAAEAAACAgIAKAAAAACgAAAAoAAAAZAAAAGQAAAAAAAAAzMzMAAAAAABQAAAAUAAAAGQAAABkAAAAAAAAABcAAAAUAAAAAAAAAAAAAAD/fwAA/38AAAAAAAAJAAAABAAAAAAAAAAeAAAAaAAAAAAAAAAAAAAAAAAAAAAAAAAAAAAAECcAABAnAAAAAAAAAAAAAAAAAAAAAAAAAAAAAAAAAAAAAAAAAAAAABQAAAAAAAAAwMD/AAAAAABkAAAAMgAAAAAAAABkAAAAAAAAAH9/fwAKAAAAIgAAABgAAAAAAAAAAAAAAAAAAAAAAAAAAAAAAAAAAAAkAAAAJAAAAAAAAAAHAAAAAAAAAAAAAAAAAAAAAAAAAAAAAAAAAAAAf39/ACUAAABYAAAAAAAAAAAAAAAAAAAAAAAAAAAAAAAAAAAAAAAAAAAAAAAAAAAAAAAAAAAAAAA/AAAAAAAAAKCGAQAAAAAAAAAAAAAAAAAMAAAAAQAAAAAAAAAAAAAAAAAAAB8AAABUAAAAAAAABQAAAAEAAAAAAAAAAAAAAAAAAAAAAAAAAAAAAAAAAAAAAAAAAAAAAAJ/f38AAAAAA8zMzADAwP8Af39/AAAAAAAAAAAAAAAAAAAAAAAAAAAAIQAAABgAAAAUAAAAwAMAAK4BAABtHAAA1AgAABAAAAAmAAAACAAAAIGAAAAAAAAAMAAAABQAAAAAAAAAAAD//wAAAQAAAP//AAABAA=="/>
+                <pr:smNativeData xmlns:pr="smNativeData" xmlns="smNativeData" val="SMDATA_16_oViJZxMAAAAlAAAAZAAAAA8BAAAAkAAAAEgAAACQAAAASAAAAAAAAAACAAAAAAAAAAEAAABQAAAAAAAAAAAA4D8AAAAAAADgPwAAAAAAAOA/AAAAAAAA4D8AAAAAAADgPwAAAAAAAOA/AAAAAAAA4D8AAAAAAADgPwAAAAAAAOA/AAAAAAAA4D8CAAAAjAAAAAAAAAAAAAAAu+DjDP///wgAAAAAAAAAAAAAAAAAAAAAAAAAAAAAAAAAAAAAZAAAAAEAAABAAAAAAAAAAAAAAAAAAAAAAAAAAAAAAAAAAAAAAAAAAAAAAAAAAAAAAAAAAAAAAAAAAAAAAAAAAAAAAAAAAAAAAAAAAAAAAAAAAAAAAAAAAAAAAAAAAAAAFAAAADwAAAAAAAAAAAAAAAAAAAkUAAAAAQAAABQAAAAUAAAAFAAAAAEAAAAAAAAAZAAAAGQAAAAAAAAAZAAAAGQAAAAVAAAAYAAAAAAAAAAAAAAADwAAACADAAAAAAAAAAAAAAEAAACgMgAAVgcAAKr4//8BAAAAf39/AAEAAABkAAAAAAAAABQAAABAHwAAAAAAACYAAAAAAAAAwOD//wAAAAAmAAAAZAAAABYAAABMAAAAAAAAAAAAAAAEAAAAAAAAAAEAAACAgIAKAAAAACgAAAAoAAAAZAAAAGQAAAAAAAAAzMzMAAAAAABQAAAAUAAAAGQAAABkAAAAAAAAABcAAAAUAAAAAAAAAAAAAAD/fwAA/38AAAAAAAAJAAAABAAAAAAAAAAeAAAAaAAAAAAAAAAAAAAAAAAAAAAAAAAAAAAAECcAABAnAAAAAAAAAAAAAAAAAAAAAAAAAAAAAAAAAAAAAAAAAAAAABQAAAAAAAAAwMD/AAAAAABkAAAAMgAAAAAAAABkAAAAAAAAAH9/fwAKAAAAIgAAABgAAAAAAAAAAAAAAAAAAAAAAAAAAAAAAAAAAAAkAAAAJAAAAAAAAAAHAAAAAAAAAAAAAAAAAAAAAAAAAAAAAAAAAAAAf39/ACUAAABYAAAAAAAAAAAAAAAAAAAAAAAAAAAAAAAAAAAAAAAAAAAAAAAAAAAAAAAAAAAAAAA/AAAAAAAAAKCGAQAAAAAAAAAAAAAAAAAMAAAAAQAAAAAAAAAAAAAAAAAAAB8AAABUAAAAAAAABQAAAAEAAAAAAAAAAAAAAAAAAAAAAAAAAAAAAAAAAAAAAAAAAAAAAAJ/f38AAAAAA8zMzADAwP8Af39/AAAAAAAAAAAAAAAAAAAAAAAAAAAAIQAAABgAAAAUAAAAwAMAAK4BAABtHAAA1AgAABAAAAAmAAAACAAAAIGAAAAAAAAAMAAAABQAAAAAAAAAAAD//wAAAQAAAP//AAABAA=="/>
               </a:ext>
             </a:extLst>
           </p:cNvSpPr>
@@ -2243,7 +2243,7 @@
             <a:spLocks noGrp="1" noChangeArrowheads="1"/>
             <a:extLst>
               <a:ext uri="smNativeData">
-                <pr:smNativeData xmlns:pr="smNativeData" xmlns="smNativeData" val="SMDATA_16_jeCHZxMAAAAlAAAAZAAAAA8BAAAAkAAAAEgAAACQAAAASAAAAAAAAAAAAAAAAAAAAAEAAABQAAAAAAAAAAAA4D8AAAAAAADgPwAAAAAAAOA/AAAAAAAA4D8AAAAAAADgPwAAAAAAAOA/AAAAAAAA4D8AAAAAAADgPwAAAAAAAOA/AAAAAAAA4D8CAAAAjAAAAAAAAAAAAAAAu+DjDP///wgAAAAAAAAAAAAAAAAAAAAAAAAAAAAAAAAAAAAAZAAAAAEAAABAAAAAAAAAAAAAAAAAAAAAAAAAAAAAAAAAAAAAAAAAAAAAAAAAAAAAAAAAAAAAAAAAAAAAAAAAAAAAAAAAAAAAAAAAAAAAAAAAAAAAAAAAAAAAAAAAAAAAFAAAADwAAAAAAAAAAAAAAAAAAAkUAAAAAQAAABQAAAAUAAAAFAAAAAEAAAAAAAAAZAAAAGQAAAAAAAAAZAAAAGQAAAAVAAAAYAAAAAAAAAAAAAAADwAAACADAAAAAAAAAAAAAAEAAACgMgAAVgcAAKr4//8BAAAAf39/AAEAAABkAAAAAAAAABQAAABAHwAAAAAAACYAAAAAAAAAwOD//wAAAAAmAAAAZAAAABYAAABMAAAAAAAAAAAAAAAEAAAAAAAAAAEAAACAgIAKAAAAACgAAAAoAAAAZAAAAGQAAAAAAAAAzMzMAAAAAABQAAAAUAAAAGQAAABkAAAAAAAAABcAAAAUAAAAAAAAAAAAAAD/fwAA/38AAAAAAAAJAAAABAAAAAAAAAAeAAAAaAAAAAAAAAAAAAAAAAAAAAAAAAAAAAAAECcAABAnAAAAAAAAAAAAAAAAAAAAAAAAAAAAAAAAAAAAAAAAAAAAABQAAAAAAAAAwMD/AAAAAABkAAAAMgAAAAAAAABkAAAAAAAAAH9/fwAKAAAAIgAAABgAAAAAAAAAAAAAAAAAAAAAAAAAAAAAAAAAAAAkAAAAJAAAAAAAAAAHAAAAAAAAAAAAAAAAAAAAAAAAAAAAAAAAAAAAf39/ACUAAABYAAAAAAAAAAAAAAAAAAAAAAAAAAAAAAAAAAAAAAAAAAAAAAAAAAAAAAAAAAAAAAA/AAAAAAAAAKCGAQAAAAAAAAAAAAAAAAAMAAAAAQAAAAAAAAAAAAAAAAAAAB8AAABUAAAAAAAABQAAAAEAAAAAAAAAAAAAAAAAAAAAAAAAAAAAAAAAAAAAAAAAAAAAAAJ/f38AAAAAA8zMzADAwP8Af39/AAAAAAAAAAAAAAAAAAAAAAAAAAAAIQAAABgAAAAUAAAAUx0AAK4BAABARwAAsCUAABAAAAAmAAAACAAAAAGAAAAAAAAAMAAAABQAAAAAAAAAAAD//wAAAQAAAP//AAABAA=="/>
+                <pr:smNativeData xmlns:pr="smNativeData" xmlns="smNativeData" val="SMDATA_16_oViJZxMAAAAlAAAAZAAAAA8BAAAAkAAAAEgAAACQAAAASAAAAAAAAAAAAAAAAAAAAAEAAABQAAAAAAAAAAAA4D8AAAAAAADgPwAAAAAAAOA/AAAAAAAA4D8AAAAAAADgPwAAAAAAAOA/AAAAAAAA4D8AAAAAAADgPwAAAAAAAOA/AAAAAAAA4D8CAAAAjAAAAAAAAAAAAAAAu+DjDP///wgAAAAAAAAAAAAAAAAAAAAAAAAAAAAAAAAAAAAAZAAAAAEAAABAAAAAAAAAAAAAAAAAAAAAAAAAAAAAAAAAAAAAAAAAAAAAAAAAAAAAAAAAAAAAAAAAAAAAAAAAAAAAAAAAAAAAAAAAAAAAAAAAAAAAAAAAAAAAAAAAAAAAFAAAADwAAAAAAAAAAAAAAAAAAAkUAAAAAQAAABQAAAAUAAAAFAAAAAEAAAAAAAAAZAAAAGQAAAAAAAAAZAAAAGQAAAAVAAAAYAAAAAAAAAAAAAAADwAAACADAAAAAAAAAAAAAAEAAACgMgAAVgcAAKr4//8BAAAAf39/AAEAAABkAAAAAAAAABQAAABAHwAAAAAAACYAAAAAAAAAwOD//wAAAAAmAAAAZAAAABYAAABMAAAAAAAAAAAAAAAEAAAAAAAAAAEAAACAgIAKAAAAACgAAAAoAAAAZAAAAGQAAAAAAAAAzMzMAAAAAABQAAAAUAAAAGQAAABkAAAAAAAAABcAAAAUAAAAAAAAAAAAAAD/fwAA/38AAAAAAAAJAAAABAAAAAAAAAAeAAAAaAAAAAAAAAAAAAAAAAAAAAAAAAAAAAAAECcAABAnAAAAAAAAAAAAAAAAAAAAAAAAAAAAAAAAAAAAAAAAAAAAABQAAAAAAAAAwMD/AAAAAABkAAAAMgAAAAAAAABkAAAAAAAAAH9/fwAKAAAAIgAAABgAAAAAAAAAAAAAAAAAAAAAAAAAAAAAAAAAAAAkAAAAJAAAAAAAAAAHAAAAAAAAAAAAAAAAAAAAAAAAAAAAAAAAAAAAf39/ACUAAABYAAAAAAAAAAAAAAAAAAAAAAAAAAAAAAAAAAAAAAAAAAAAAAAAAAAAAAAAAAAAAAA/AAAAAAAAAKCGAQAAAAAAAAAAAAAAAAAMAAAAAQAAAAAAAAAAAAAAAAAAAB8AAABUAAAAAAAABQAAAAEAAAAAAAAAAAAAAAAAAAAAAAAAAAAAAAAAAAAAAAAAAAAAAAJ/f38AAAAAA8zMzADAwP8Af39/AAAAAAAAAAAAAAAAAAAAAAAAAAAAIQAAABgAAAAUAAAAUx0AAK4BAABARwAAsCUAABAAAAAmAAAACAAAAAGAAAAAAAAAMAAAABQAAAAAAAAAAAD//wAAAQAAAP//AAABAA=="/>
               </a:ext>
             </a:extLst>
           </p:cNvSpPr>
@@ -2327,7 +2327,7 @@
             <a:spLocks noGrp="1" noChangeArrowheads="1"/>
             <a:extLst>
               <a:ext uri="smNativeData">
-                <pr:smNativeData xmlns:pr="smNativeData" xmlns="smNativeData" val="SMDATA_16_jeCHZxMAAAAlAAAAZAAAAA8BAAAAkAAAAEgAAACQAAAASAAAAAAAAAAAAAAAAAAAAAEAAABQAAAAAAAAAAAA4D8AAAAAAADgPwAAAAAAAOA/AAAAAAAA4D8AAAAAAADgPwAAAAAAAOA/AAAAAAAA4D8AAAAAAADgPwAAAAAAAOA/AAAAAAAA4D8CAAAAjAAAAAAAAAAAAAAAu+DjDP///wgAAAAAAAAAAAAAAAAAAAAAAAAAAAAAAAAAAAAAZAAAAAEAAABAAAAAAAAAAAAAAAAAAAAAAAAAAAAAAAAAAAAAAAAAAAAAAAAAAAAAAAAAAAAAAAAAAAAAAAAAAAAAAAAAAAAAAAAAAAAAAAAAAAAAAAAAAAAAAAAAAAAAFAAAADwAAAAAAAAAAAAAAAAAAAkUAAAAAQAAABQAAAAUAAAAFAAAAAEAAAAAAAAAZAAAAGQAAAAAAAAAZAAAAGQAAAAVAAAAYAAAAAAAAAAAAAAADwAAACADAAAAAAAAAAAAAAEAAACgMgAAVgcAAKr4//8BAAAAf39/AAEAAABkAAAAAAAAABQAAABAHwAAAAAAACYAAAAAAAAAwOD//wAAAAAmAAAAZAAAABYAAABMAAAAAAAAAAAAAAAEAAAAAAAAAAEAAACAgIAKAAAAACgAAAAoAAAAZAAAAGQAAAAAAAAAzMzMAAAAAABQAAAAUAAAAGQAAABkAAAAAAAAABcAAAAUAAAAAAAAAAAAAAD/fwAA/38AAAAAAAAJAAAABAAAAAAAAAAeAAAAaAAAAAAAAAAAAAAAAAAAAAAAAAAAAAAAECcAABAnAAAAAAAAAAAAAAAAAAAAAAAAAAAAAAAAAAAAAAAAAAAAABQAAAAAAAAAwMD/AAAAAABkAAAAMgAAAAAAAABkAAAAAAAAAH9/fwAKAAAAIgAAABgAAAAAAAAAAAAAAAAAAAAAAAAAAAAAAAAAAAAkAAAAJAAAAAAAAAAHAAAAAAAAAAAAAAAAAAAAAAAAAAAAAAAAAAAAf39/ACUAAABYAAAAAAAAAAAAAAAAAAAAAAAAAAAAAAAAAAAAAAAAAAAAAAAAAAAAAAAAAAAAAAA/AAAAAAAAAKCGAQAAAAAAAAAAAAAAAAAMAAAAAQAAAAAAAAAAAAAAAAAAAB8AAABUAAAAAAAABQAAAAEAAAAAAAAAAAAAAAAAAAAAAAAAAAAAAAAAAAAAAAAAAAAAAAJ/f38AAAAAA8zMzADAwP8Af39/AAAAAAAAAAAAAAAAAAAAAAAAAAAAIQAAABgAAAAUAAAAwAMAANQIAABtHAAAsCUAABAAAAAmAAAACAAAAAGAAAAAAAAAMAAAABQAAAAAAAAAAAD//wAAAQAAAP//AAABAA=="/>
+                <pr:smNativeData xmlns:pr="smNativeData" xmlns="smNativeData" val="SMDATA_16_oViJZxMAAAAlAAAAZAAAAA8BAAAAkAAAAEgAAACQAAAASAAAAAAAAAAAAAAAAAAAAAEAAABQAAAAAAAAAAAA4D8AAAAAAADgPwAAAAAAAOA/AAAAAAAA4D8AAAAAAADgPwAAAAAAAOA/AAAAAAAA4D8AAAAAAADgPwAAAAAAAOA/AAAAAAAA4D8CAAAAjAAAAAAAAAAAAAAAu+DjDP///wgAAAAAAAAAAAAAAAAAAAAAAAAAAAAAAAAAAAAAZAAAAAEAAABAAAAAAAAAAAAAAAAAAAAAAAAAAAAAAAAAAAAAAAAAAAAAAAAAAAAAAAAAAAAAAAAAAAAAAAAAAAAAAAAAAAAAAAAAAAAAAAAAAAAAAAAAAAAAAAAAAAAAFAAAADwAAAAAAAAAAAAAAAAAAAkUAAAAAQAAABQAAAAUAAAAFAAAAAEAAAAAAAAAZAAAAGQAAAAAAAAAZAAAAGQAAAAVAAAAYAAAAAAAAAAAAAAADwAAACADAAAAAAAAAAAAAAEAAACgMgAAVgcAAKr4//8BAAAAf39/AAEAAABkAAAAAAAAABQAAABAHwAAAAAAACYAAAAAAAAAwOD//wAAAAAmAAAAZAAAABYAAABMAAAAAAAAAAAAAAAEAAAAAAAAAAEAAACAgIAKAAAAACgAAAAoAAAAZAAAAGQAAAAAAAAAzMzMAAAAAABQAAAAUAAAAGQAAABkAAAAAAAAABcAAAAUAAAAAAAAAAAAAAD/fwAA/38AAAAAAAAJAAAABAAAAAAAAAAeAAAAaAAAAAAAAAAAAAAAAAAAAAAAAAAAAAAAECcAABAnAAAAAAAAAAAAAAAAAAAAAAAAAAAAAAAAAAAAAAAAAAAAABQAAAAAAAAAwMD/AAAAAABkAAAAMgAAAAAAAABkAAAAAAAAAH9/fwAKAAAAIgAAABgAAAAAAAAAAAAAAAAAAAAAAAAAAAAAAAAAAAAkAAAAJAAAAAAAAAAHAAAAAAAAAAAAAAAAAAAAAAAAAAAAAAAAAAAAf39/ACUAAABYAAAAAAAAAAAAAAAAAAAAAAAAAAAAAAAAAAAAAAAAAAAAAAAAAAAAAAAAAAAAAAA/AAAAAAAAAKCGAQAAAAAAAAAAAAAAAAAMAAAAAQAAAAAAAAAAAAAAAAAAAB8AAABUAAAAAAAABQAAAAEAAAAAAAAAAAAAAAAAAAAAAAAAAAAAAAAAAAAAAAAAAAAAAAJ/f38AAAAAA8zMzADAwP8Af39/AAAAAAAAAAAAAAAAAAAAAAAAAAAAIQAAABgAAAAUAAAAwAMAANQIAABtHAAAsCUAABAAAAAmAAAACAAAAAGAAAAAAAAAMAAAABQAAAAAAAAAAAD//wAAAQAAAP//AAABAA=="/>
               </a:ext>
             </a:extLst>
           </p:cNvSpPr>
@@ -2396,7 +2396,7 @@
             <a:spLocks noGrp="1" noChangeArrowheads="1"/>
             <a:extLst>
               <a:ext uri="smNativeData">
-                <pr:smNativeData xmlns:pr="smNativeData" xmlns="smNativeData" val="SMDATA_16_jeCHZxMAAAAlAAAAZAAAAA8BAAAAkAAAAEgAAACQAAAASAAAAAAAAAABAAAAAAAAAAEAAABQAAAAAAAAAAAA4D8AAAAAAADgPwAAAAAAAOA/AAAAAAAA4D8AAAAAAADgPwAAAAAAAOA/AAAAAAAA4D8AAAAAAADgPwAAAAAAAOA/AAAAAAAA4D8CAAAAjAAAAAAAAAAAAAAAu+DjDP///wgAAAAAAAAAAAAAAAAAAAAAAAAAAAAAAAAAAAAAZAAAAAEAAABAAAAAAAAAAAAAAAAAAAAAAAAAAAAAAAAAAAAAAAAAAAAAAAAAAAAAAAAAAAAAAAAAAAAAAAAAAAAAAAAAAAAAAAAAAAAAAAAAAAAAAAAAAAAAAAAAAAAAFAAAADwAAAAAAAAAAAAAAAAAAAkUAAAAAQAAABQAAAAUAAAAFAAAAAEAAAAAAAAAZAAAAGQAAAAAAAAAZAAAAGQAAAAVAAAAYAAAAAAAAAAAAAAADwAAACADAAAAAAAAAAAAAAEAAACgMgAAVgcAAKr4//8BAAAAf39/AAEAAABkAAAAAAAAABQAAABAHwAAAAAAACYAAAAAAAAAwOD//wAAAAAmAAAAZAAAABYAAABMAAAAAAAAAAAAAAAEAAAAAAAAAAEAAACAgIAKAAAAACgAAAAoAAAAZAAAAGQAAAAAAAAAzMzMAAAAAABQAAAAUAAAAGQAAABkAAAAAAAAABcAAAAUAAAAAAAAAAAAAAD/fwAA/38AAAAAAAAJAAAABAAAAAAAAAAeAAAAaAAAAAAAAAAAAAAAAAAAAAAAAAAAAAAAECcAABAnAAAAAAAAAAAAAAAAAAAAAAAAAAAAAAAAAAAAAAAAAAAAABQAAAAAAAAAwMD/AAAAAABkAAAAMgAAAAAAAABkAAAAAAAAAH9/fwAKAAAAIgAAABgAAAAAAAAAAAAAAAAAAAAAAAAAAAAAAAAAAAAkAAAAJAAAAAAAAAAHAAAAAAAAAAAAAAAAAAAAAAAAAAAAAAAAAAAAf39/ACUAAABYAAAAAAAAAAAAAAAAAAAAAAAAAAAAAAAAAAAAAAAAAAAAAAAAAAAAAAAAAAAAAAA/AAAAAAAAAKCGAQAAAAAAAAAAAAAAAAAMAAAAAQAAAAAAAAAAAAAAAAAAAB8AAABUAAAAAAAABQAAAAEAAAAAAAAAAAAAAAAAAAAAAAAAAAAAAAAAAAAAAAAAAAAAAAJ/f38AAAAAA8zMzADAwP8Af39/AAAAAAAAAAAAAAAAAAAAAAAAAAAAIQAAABgAAAAUAAAAwAMAABsnAAA/FQAAWSkAABAAAAAmAAAACAAAAAAAAAAAAAAAMAAAABQAAAAAAAAAAAD//wAAAQAAAP//AAABAA=="/>
+                <pr:smNativeData xmlns:pr="smNativeData" xmlns="smNativeData" val="SMDATA_16_oViJZxMAAAAlAAAAZAAAAA8BAAAAkAAAAEgAAACQAAAASAAAAAAAAAABAAAAAAAAAAEAAABQAAAAAAAAAAAA4D8AAAAAAADgPwAAAAAAAOA/AAAAAAAA4D8AAAAAAADgPwAAAAAAAOA/AAAAAAAA4D8AAAAAAADgPwAAAAAAAOA/AAAAAAAA4D8CAAAAjAAAAAAAAAAAAAAAu+DjDP///wgAAAAAAAAAAAAAAAAAAAAAAAAAAAAAAAAAAAAAZAAAAAEAAABAAAAAAAAAAAAAAAAAAAAAAAAAAAAAAAAAAAAAAAAAAAAAAAAAAAAAAAAAAAAAAAAAAAAAAAAAAAAAAAAAAAAAAAAAAAAAAAAAAAAAAAAAAAAAAAAAAAAAFAAAADwAAAAAAAAAAAAAAAAAAAkUAAAAAQAAABQAAAAUAAAAFAAAAAEAAAAAAAAAZAAAAGQAAAAAAAAAZAAAAGQAAAAVAAAAYAAAAAAAAAAAAAAADwAAACADAAAAAAAAAAAAAAEAAACgMgAAVgcAAKr4//8BAAAAf39/AAEAAABkAAAAAAAAABQAAABAHwAAAAAAACYAAAAAAAAAwOD//wAAAAAmAAAAZAAAABYAAABMAAAAAAAAAAAAAAAEAAAAAAAAAAEAAACAgIAKAAAAACgAAAAoAAAAZAAAAGQAAAAAAAAAzMzMAAAAAABQAAAAUAAAAGQAAABkAAAAAAAAABcAAAAUAAAAAAAAAAAAAAD/fwAA/38AAAAAAAAJAAAABAAAAAAAAAAeAAAAaAAAAAAAAAAAAAAAAAAAAAAAAAAAAAAAECcAABAnAAAAAAAAAAAAAAAAAAAAAAAAAAAAAAAAAAAAAAAAAAAAABQAAAAAAAAAwMD/AAAAAABkAAAAMgAAAAAAAABkAAAAAAAAAH9/fwAKAAAAIgAAABgAAAAAAAAAAAAAAAAAAAAAAAAAAAAAAAAAAAAkAAAAJAAAAAAAAAAHAAAAAAAAAAAAAAAAAAAAAAAAAAAAAAAAAAAAf39/ACUAAABYAAAAAAAAAAAAAAAAAAAAAAAAAAAAAAAAAAAAAAAAAAAAAAAAAAAAAAAAAAAAAAA/AAAAAAAAAKCGAQAAAAAAAAAAAAAAAAAMAAAAAQAAAAAAAAAAAAAAAAAAAB8AAABUAAAAAAAABQAAAAEAAAAAAAAAAAAAAAAAAAAAAAAAAAAAAAAAAAAAAAAAAAAAAAJ/f38AAAAAA8zMzADAwP8Af39/AAAAAAAAAAAAAAAAAAAAAAAAAAAAIQAAABgAAAAUAAAAwAMAABsnAAA/FQAAWSkAABAAAAAmAAAACAAAAAAAAAAAAAAAMAAAABQAAAAAAAAAAAD//wAAAQAAAP//AAABAA=="/>
               </a:ext>
             </a:extLst>
           </p:cNvSpPr>
@@ -2410,7 +2410,7 @@
           <a:lstStyle/>
           <a:p>
             <a:pPr/>
-            <a:fld id="{3D25E23D-73D0-7014-9E9D-8541ACD368D0}" type="datetime1">
+            <a:fld id="{3D8E203D-73D0-DBD6-9E36-85836E7868D0}" type="datetime1">
               <a:t/>
             </a:fld>
           </a:p>
@@ -2423,7 +2423,7 @@
             <a:spLocks noGrp="1" noChangeArrowheads="1"/>
             <a:extLst>
               <a:ext uri="smNativeData">
-                <pr:smNativeData xmlns:pr="smNativeData" xmlns="smNativeData" val="SMDATA_16_jeCHZxMAAAAlAAAAZAAAAA8BAAAAkAAAAEgAAACQAAAASAAAAAAAAAABAAAAAAAAAAEAAABQAAAAAAAAAAAA4D8AAAAAAADgPwAAAAAAAOA/AAAAAAAA4D8AAAAAAADgPwAAAAAAAOA/AAAAAAAA4D8AAAAAAADgPwAAAAAAAOA/AAAAAAAA4D8CAAAAjAAAAAAAAAAAAAAAu+DjDP///wgAAAAAAAAAAAAAAAAAAAAAAAAAAAAAAAAAAAAAZAAAAAEAAABAAAAAAAAAAAAAAAAAAAAAAAAAAAAAAAAAAAAAAAAAAAAAAAAAAAAAAAAAAAAAAAAAAAAAAAAAAAAAAAAAAAAAAAAAAAAAAAAAAAAAAAAAAAAAAAAAAAAAFAAAADwAAAAAAAAAAAAAAAAAAAkUAAAAAQAAABQAAAAUAAAAFAAAAAEAAAAAAAAAZAAAAGQAAAAAAAAAZAAAAGQAAAAVAAAAYAAAAAAAAAAAAAAADwAAACADAAAAAAAAAAAAAAEAAACgMgAAVgcAAKr4//8BAAAAf39/AAEAAABkAAAAAAAAABQAAABAHwAAAAAAACYAAAAAAAAAwOD//wAAAAAmAAAAZAAAABYAAABMAAAAAAAAAAAAAAAEAAAAAAAAAAEAAACAgIAKAAAAACgAAAAoAAAAZAAAAGQAAAAAAAAAzMzMAAAAAABQAAAAUAAAAGQAAABkAAAAAAAAABcAAAAUAAAAAAAAAAAAAAD/fwAA/38AAAAAAAAJAAAABAAAAHNwY0IeAAAAaAAAAAAAAAAAAAAAAAAAAAAAAAAAAAAAECcAABAnAAAAAAAAAAAAAAAAAAAAAAAAAAAAAAAAAAAAAAAAAAAAABQAAAAAAAAAwMD/AAAAAABkAAAAMgAAAAAAAABkAAAAAAAAAH9/fwAKAAAAIgAAABgAAAAAAAAAAAAAAAAAAAAAAAAAAAAAAAAAAAAkAAAAJAAAAAAAAAAHAAAAAAAAAAAAAAAAAAAAAAAAAAAAAAAAAAAAf39/ACUAAABYAAAAAAAAAAAAAAAAAAAAAAAAAAAAAAAAAAAAAAAAAAAAAAAAAAAAAAAAAAAAAAA/AAAAAAAAAKCGAQAAAAAAAAAAAAAAAAAMAAAAAQAAAAAAAAAAAAAAAAAAAB8AAABUAAAAAAAABQAAAAEAAAAAAAAAAAAAAAAAAAAAAAAAAAAAAAAAAAAAAAAAAAAAAAJ/f38AAAAAA8zMzADAwP8Af39/AAAAAAAAAAAAAAAAAAAAAAAAAAAAIQAAABgAAAAUAAAAoRkAABsnAABfMQAAWSkAABAAAAAmAAAACAAAAAAAAAAAAAAAMAAAABQAAAAAAAAAAAD//wAAAQAAAP//AAABAA=="/>
+                <pr:smNativeData xmlns:pr="smNativeData" xmlns="smNativeData" val="SMDATA_16_oViJZxMAAAAlAAAAZAAAAA8BAAAAkAAAAEgAAACQAAAASAAAAAAAAAABAAAAAAAAAAEAAABQAAAAAAAAAAAA4D8AAAAAAADgPwAAAAAAAOA/AAAAAAAA4D8AAAAAAADgPwAAAAAAAOA/AAAAAAAA4D8AAAAAAADgPwAAAAAAAOA/AAAAAAAA4D8CAAAAjAAAAAAAAAAAAAAAu+DjDP///wgAAAAAAAAAAAAAAAAAAAAAAAAAAAAAAAAAAAAAZAAAAAEAAABAAAAAAAAAAAAAAAAAAAAAAAAAAAAAAAAAAAAAAAAAAAAAAAAAAAAAAAAAAAAAAAAAAAAAAAAAAAAAAAAAAAAAAAAAAAAAAAAAAAAAAAAAAAAAAAAAAAAAFAAAADwAAAAAAAAAAAAAAAAAAAkUAAAAAQAAABQAAAAUAAAAFAAAAAEAAAAAAAAAZAAAAGQAAAAAAAAAZAAAAGQAAAAVAAAAYAAAAAAAAAAAAAAADwAAACADAAAAAAAAAAAAAAEAAACgMgAAVgcAAKr4//8BAAAAf39/AAEAAABkAAAAAAAAABQAAABAHwAAAAAAACYAAAAAAAAAwOD//wAAAAAmAAAAZAAAABYAAABMAAAAAAAAAAAAAAAEAAAAAAAAAAEAAACAgIAKAAAAACgAAAAoAAAAZAAAAGQAAAAAAAAAzMzMAAAAAABQAAAAUAAAAGQAAABkAAAAAAAAABcAAAAUAAAAAAAAAAAAAAD/fwAA/38AAAAAAAAJAAAABAAAAHNwY0IeAAAAaAAAAAAAAAAAAAAAAAAAAAAAAAAAAAAAECcAABAnAAAAAAAAAAAAAAAAAAAAAAAAAAAAAAAAAAAAAAAAAAAAABQAAAAAAAAAwMD/AAAAAABkAAAAMgAAAAAAAABkAAAAAAAAAH9/fwAKAAAAIgAAABgAAAAAAAAAAAAAAAAAAAAAAAAAAAAAAAAAAAAkAAAAJAAAAAAAAAAHAAAAAAAAAAAAAAAAAAAAAAAAAAAAAAAAAAAAf39/ACUAAABYAAAAAAAAAAAAAAAAAAAAAAAAAAAAAAAAAAAAAAAAAAAAAAAAAAAAAAAAAAAAAAA/AAAAAAAAAKCGAQAAAAAAAAAAAAAAAAAMAAAAAQAAAAAAAAAAAAAAAAAAAB8AAABUAAAAAAAABQAAAAEAAAAAAAAAAAAAAAAAAAAAAAAAAAAAAAAAAAAAAAAAAAAAAAJ/f38AAAAAA8zMzADAwP8Af39/AAAAAAAAAAAAAAAAAAAAAAAAAAAAIQAAABgAAAAUAAAAoRkAABsnAABfMQAAWSkAABAAAAAmAAAACAAAAAAAAAAAAAAAMAAAABQAAAAAAAAAAAD//wAAAQAAAP//AAABAA=="/>
               </a:ext>
             </a:extLst>
           </p:cNvSpPr>
@@ -2447,7 +2447,7 @@
             <a:spLocks noGrp="1" noChangeArrowheads="1"/>
             <a:extLst>
               <a:ext uri="smNativeData">
-                <pr:smNativeData xmlns:pr="smNativeData" xmlns="smNativeData" val="SMDATA_16_jeCHZxMAAAAlAAAAZAAAAA8BAAAAkAAAAEgAAACQAAAASAAAAAAAAAABAAAAAAAAAAEAAABQAAAAAAAAAAAA4D8AAAAAAADgPwAAAAAAAOA/AAAAAAAA4D8AAAAAAADgPwAAAAAAAOA/AAAAAAAA4D8AAAAAAADgPwAAAAAAAOA/AAAAAAAA4D8CAAAAjAAAAAAAAAAAAAAAu+DjDP///wgAAAAAAAAAAAAAAAAAAAAAAAAAAAAAAAAAAAAAZAAAAAEAAABAAAAAAAAAAAAAAAAAAAAAAAAAAAAAAAAAAAAAAAAAAAAAAAAAAAAAAAAAAAAAAAAAAAAAAAAAAAAAAAAAAAAAAAAAAAAAAAAAAAAAAAAAAAAAAAAAAAAAFAAAADwAAAAAAAAAAAAAAAAAAAkUAAAAAQAAABQAAAAUAAAAFAAAAAEAAAAAAAAAZAAAAGQAAAAAAAAAZAAAAGQAAAAVAAAAYAAAAAAAAAAAAAAADwAAACADAAAAAAAAAAAAAAEAAACgMgAAVgcAAKr4//8BAAAAf39/AAEAAABkAAAAAAAAABQAAABAHwAAAAAAACYAAAAAAAAAwOD//wAAAAAmAAAAZAAAABYAAABMAAAAAAAAAAAAAAAEAAAAAAAAAAEAAACAgIAKAAAAACgAAAAoAAAAZAAAAGQAAAAAAAAAzMzMAAAAAABQAAAAUAAAAGQAAABkAAAAAAAAABcAAAAUAAAAAAAAAAAAAAD/fwAA/38AAAAAAAAJAAAABAAAAAAAAAAeAAAAaAAAAAAAAAAAAAAAAAAAAAAAAAAAAAAAECcAABAnAAAAAAAAAAAAAAAAAAAAAAAAAAAAAAAAAAAAAAAAAAAAABQAAAAAAAAAwMD/AAAAAABkAAAAMgAAAAAAAABkAAAAAAAAAH9/fwAKAAAAIgAAABgAAAAAAAAAAAAAAAAAAAAAAAAAAAAAAAAAAAAkAAAAJAAAAAAAAAAHAAAAAAAAAAAAAAAAAAAAAAAAAAAAAAAAAAAAf39/ACUAAABYAAAAAAAAAAAAAAAAAAAAAAAAAAAAAAAAAAAAAAAAAAAAAAAAAAAAAAAAAAAAAAA/AAAAAAAAAKCGAQAAAAAAAAAAAAAAAAAMAAAAAQAAAAAAAAAAAAAAAAAAAB8AAABUAAAAAAAABQAAAAEAAAAAAAAAAAAAAAAAAAAAAAAAAAAAAAAAAAAAAAAAAAAAAAJ/f38AAAAAA8zMzADAwP8Af39/AAAAAAAAAAAAAAAAAAAAAAAAAAAAIQAAABgAAAAUAAAAwTUAABsnAABARwAAWSkAABAAAAAmAAAACAAAAAAAAAAAAAAAMAAAABQAAAAAAAAAAAD//wAAAQAAAP//AAABAA=="/>
+                <pr:smNativeData xmlns:pr="smNativeData" xmlns="smNativeData" val="SMDATA_16_oViJZxMAAAAlAAAAZAAAAA8BAAAAkAAAAEgAAACQAAAASAAAAAAAAAABAAAAAAAAAAEAAABQAAAAAAAAAAAA4D8AAAAAAADgPwAAAAAAAOA/AAAAAAAA4D8AAAAAAADgPwAAAAAAAOA/AAAAAAAA4D8AAAAAAADgPwAAAAAAAOA/AAAAAAAA4D8CAAAAjAAAAAAAAAAAAAAAu+DjDP///wgAAAAAAAAAAAAAAAAAAAAAAAAAAAAAAAAAAAAAZAAAAAEAAABAAAAAAAAAAAAAAAAAAAAAAAAAAAAAAAAAAAAAAAAAAAAAAAAAAAAAAAAAAAAAAAAAAAAAAAAAAAAAAAAAAAAAAAAAAAAAAAAAAAAAAAAAAAAAAAAAAAAAFAAAADwAAAAAAAAAAAAAAAAAAAkUAAAAAQAAABQAAAAUAAAAFAAAAAEAAAAAAAAAZAAAAGQAAAAAAAAAZAAAAGQAAAAVAAAAYAAAAAAAAAAAAAAADwAAACADAAAAAAAAAAAAAAEAAACgMgAAVgcAAKr4//8BAAAAf39/AAEAAABkAAAAAAAAABQAAABAHwAAAAAAACYAAAAAAAAAwOD//wAAAAAmAAAAZAAAABYAAABMAAAAAAAAAAAAAAAEAAAAAAAAAAEAAACAgIAKAAAAACgAAAAoAAAAZAAAAGQAAAAAAAAAzMzMAAAAAABQAAAAUAAAAGQAAABkAAAAAAAAABcAAAAUAAAAAAAAAAAAAAD/fwAA/38AAAAAAAAJAAAABAAAAAAAAAAeAAAAaAAAAAAAAAAAAAAAAAAAAAAAAAAAAAAAECcAABAnAAAAAAAAAAAAAAAAAAAAAAAAAAAAAAAAAAAAAAAAAAAAABQAAAAAAAAAwMD/AAAAAABkAAAAMgAAAAAAAABkAAAAAAAAAH9/fwAKAAAAIgAAABgAAAAAAAAAAAAAAAAAAAAAAAAAAAAAAAAAAAAkAAAAJAAAAAAAAAAHAAAAAAAAAAAAAAAAAAAAAAAAAAAAAAAAAAAAf39/ACUAAABYAAAAAAAAAAAAAAAAAAAAAAAAAAAAAAAAAAAAAAAAAAAAAAAAAAAAAAAAAAAAAAA/AAAAAAAAAKCGAQAAAAAAAAAAAAAAAAAMAAAAAQAAAAAAAAAAAAAAAAAAAB8AAABUAAAAAAAABQAAAAEAAAAAAAAAAAAAAAAAAAAAAAAAAAAAAAAAAAAAAAAAAAAAAAJ/f38AAAAAA8zMzADAwP8Af39/AAAAAAAAAAAAAAAAAAAAAAAAAAAAIQAAABgAAAAUAAAAwTUAABsnAABARwAAWSkAABAAAAAmAAAACAAAAAAAAAAAAAAAMAAAABQAAAAAAAAAAAD//wAAAQAAAP//AAABAA=="/>
               </a:ext>
             </a:extLst>
           </p:cNvSpPr>
@@ -2461,7 +2461,7 @@
           <a:lstStyle/>
           <a:p>
             <a:pPr/>
-            <a:fld id="{3D25EA4F-01D0-701C-9E9D-F749A4D368A2}" type="slidenum">
+            <a:fld id="{3D8E3E95-DBD0-DBC8-9E36-2D9D70786878}" type="slidenum">
               <a:t/>
             </a:fld>
           </a:p>
@@ -2500,7 +2500,7 @@
             <a:spLocks noGrp="1" noChangeArrowheads="1"/>
             <a:extLst>
               <a:ext uri="smNativeData">
-                <pr:smNativeData xmlns:pr="smNativeData" xmlns="smNativeData" val="SMDATA_16_jeCHZxMAAAAlAAAAZAAAAA8BAAAAkAAAAEgAAACQAAAASAAAAAAAAAACAAAAAAAAAAEAAABQAAAAAAAAAAAA4D8AAAAAAADgPwAAAAAAAOA/AAAAAAAA4D8AAAAAAADgPwAAAAAAAOA/AAAAAAAA4D8AAAAAAADgPwAAAAAAAOA/AAAAAAAA4D8CAAAAjAAAAAAAAAAAAAAAu+DjDP///wgAAAAAAAAAAAAAAAAAAAAAAAAAAAAAAAAAAAAAZAAAAAEAAABAAAAAAAAAAAAAAAAAAAAAAAAAAAAAAAAAAAAAAAAAAAAAAAAAAAAAAAAAAAAAAAAAAAAAAAAAAAAAAAAAAAAAAAAAAAAAAAAAAAAAAAAAAAAAAAAAAAAAFAAAADwAAAAAAAAAAAAAAAAAAAkUAAAAAQAAABQAAAAUAAAAFAAAAAEAAAAAAAAAZAAAAGQAAAAAAAAAZAAAAGQAAAAVAAAAYAAAAAAAAAAAAAAADwAAACADAAAAAAAAAAAAAAEAAACgMgAAVgcAAKr4//8BAAAAf39/AAEAAABkAAAAAAAAABQAAABAHwAAAAAAACYAAAAAAAAAwOD//wAAAAAmAAAAZAAAABYAAABMAAAAAAAAAAAAAAAEAAAAAAAAAAEAAACAgIAKAAAAACgAAAAoAAAAZAAAAGQAAAAAAAAAzMzMAAAAAABQAAAAUAAAAGQAAABkAAAAAAAAABcAAAAUAAAAAAAAAAAAAAD/fwAA/38AAAAAAAAJAAAABAAAAAAAAAAeAAAAaAAAAAAAAAAAAAAAAAAAAAAAAAAAAAAAECcAABAnAAAAAAAAAAAAAAAAAAAAAAAAAAAAAAAAAAAAAAAAAAAAABQAAAAAAAAAwMD/AAAAAABkAAAAMgAAAAAAAABkAAAAAAAAAH9/fwAKAAAAIgAAABgAAAAAAAAAAAAAAAAAAAAAAAAAAAAAAAAAAAAkAAAAJAAAAAAAAAAHAAAAAAAAAAAAAAAAAAAAAAAAAAAAAAAAAAAAf39/ACUAAABYAAAAAAAAAAAAAAAAAAAAAAAAAAAAAAAAAAAAAAAAAAAAAAAAAAAAAAAAAAAAAAA/AAAAAAAAAKCGAQAAAAAAAAAAAAAAAAAMAAAAAQAAAAAAAAAAAAAAAAAAAB8AAABUAAAAAAAABQAAAAEAAAAAAAAAAAAAAAAAAAAAAAAAAAAAAAAAAAAAAAAAAAAAAAJ/f38AAAAAA8zMzADAwP8Af39/AAAAAAAAAAAAAAAAAAAAAAAAAAAAIQAAABgAAAAUAAAAsw4AAIgdAACzOwAABCEAABAAAAAmAAAACAAAAIGAAAAAAAAAMAAAABQAAAAAAAAAAAD//wAAAQAAAP//AAABAA=="/>
+                <pr:smNativeData xmlns:pr="smNativeData" xmlns="smNativeData" val="SMDATA_16_oViJZxMAAAAlAAAAZAAAAA8BAAAAkAAAAEgAAACQAAAASAAAAAAAAAACAAAAAAAAAAEAAABQAAAAAAAAAAAA4D8AAAAAAADgPwAAAAAAAOA/AAAAAAAA4D8AAAAAAADgPwAAAAAAAOA/AAAAAAAA4D8AAAAAAADgPwAAAAAAAOA/AAAAAAAA4D8CAAAAjAAAAAAAAAAAAAAAu+DjDP///wgAAAAAAAAAAAAAAAAAAAAAAAAAAAAAAAAAAAAAZAAAAAEAAABAAAAAAAAAAAAAAAAAAAAAAAAAAAAAAAAAAAAAAAAAAAAAAAAAAAAAAAAAAAAAAAAAAAAAAAAAAAAAAAAAAAAAAAAAAAAAAAAAAAAAAAAAAAAAAAAAAAAAFAAAADwAAAAAAAAAAAAAAAAAAAkUAAAAAQAAABQAAAAUAAAAFAAAAAEAAAAAAAAAZAAAAGQAAAAAAAAAZAAAAGQAAAAVAAAAYAAAAAAAAAAAAAAADwAAACADAAAAAAAAAAAAAAEAAACgMgAAVgcAAKr4//8BAAAAf39/AAEAAABkAAAAAAAAABQAAABAHwAAAAAAACYAAAAAAAAAwOD//wAAAAAmAAAAZAAAABYAAABMAAAAAAAAAAAAAAAEAAAAAAAAAAEAAACAgIAKAAAAACgAAAAoAAAAZAAAAGQAAAAAAAAAzMzMAAAAAABQAAAAUAAAAGQAAABkAAAAAAAAABcAAAAUAAAAAAAAAAAAAAD/fwAA/38AAAAAAAAJAAAABAAAAAAAAAAeAAAAaAAAAAAAAAAAAAAAAAAAAAAAAAAAAAAAECcAABAnAAAAAAAAAAAAAAAAAAAAAAAAAAAAAAAAAAAAAAAAAAAAABQAAAAAAAAAwMD/AAAAAABkAAAAMgAAAAAAAABkAAAAAAAAAH9/fwAKAAAAIgAAABgAAAAAAAAAAAAAAAAAAAAAAAAAAAAAAAAAAAAkAAAAJAAAAAAAAAAHAAAAAAAAAAAAAAAAAAAAAAAAAAAAAAAAAAAAf39/ACUAAABYAAAAAAAAAAAAAAAAAAAAAAAAAAAAAAAAAAAAAAAAAAAAAAAAAAAAAAAAAAAAAAA/AAAAAAAAAKCGAQAAAAAAAAAAAAAAAAAMAAAAAQAAAAAAAAAAAAAAAAAAAB8AAABUAAAAAAAABQAAAAEAAAAAAAAAAAAAAAAAAAAAAAAAAAAAAAAAAAAAAAAAAAAAAAJ/f38AAAAAA8zMzADAwP8Af39/AAAAAAAAAAAAAAAAAAAAAAAAAAAAIQAAABgAAAAUAAAAsw4AAIgdAACzOwAABCEAABAAAAAmAAAACAAAAIGAAAAAAAAAMAAAABQAAAAAAAAAAAD//wAAAQAAAP//AAABAA=="/>
               </a:ext>
             </a:extLst>
           </p:cNvSpPr>
@@ -2540,7 +2540,7 @@
             <a:spLocks noGrp="1" noChangeArrowheads="1"/>
             <a:extLst>
               <a:ext uri="smNativeData">
-                <pr:smNativeData xmlns:pr="smNativeData" xmlns="smNativeData" val="SMDATA_16_jeCHZxMAAAAlAAAAZAAAAA8BAAAAkAAAAEgAAACQAAAASAAAAAAAAAAAAAAAAAAAAAEAAABQAAAAAAAAAAAA4D8AAAAAAADgPwAAAAAAAOA/AAAAAAAA4D8AAAAAAADgPwAAAAAAAOA/AAAAAAAA4D8AAAAAAADgPwAAAAAAAOA/AAAAAAAA4D8CAAAAjAAAAAAAAAAAAAAAu+DjDP///wgAAAAAAAAAAAAAAAAAAAAAAAAAAAAAAAAAAAAAZAAAAAEAAABAAAAAAAAAAAAAAAAAAAAAAAAAAAAAAAAAAAAAAAAAAAAAAAAAAAAAAAAAAAAAAAAAAAAAAAAAAAAAAAAAAAAAAAAAAAAAAAAAAAAAAAAAAAAAAAAAAAAAFAAAADwAAAAAAAAAAAAAAAAAAAkUAAAAAQAAABQAAAAUAAAAFAAAAAEAAAAAAAAAZAAAAGQAAAAAAAAAZAAAAGQAAAAVAAAAYAAAAAAAAAAAAAAADwAAACADAAAAAAAAAAAAAAEAAACgMgAAVgcAAKr4//8BAAAAf39/AAEAAABkAAAAAAAAABQAAABAHwAAAAAAACYAAAAAAAAAwOD//wAAAAAmAAAAZAAAABYAAABMAAAAAAAAAAAAAAAEAAAAAAAAAAEAAACAgIAKAAAAACgAAAAoAAAAZAAAAGQAAAAAAAAAzMzMAAAAAABQAAAAUAAAAGQAAABkAAAAAAAAABcAAAAUAAAAAAAAAAAAAAD/fwAA/38AAAAAAAAJAAAABAAAAAAAAAAeAAAAaAAAAAAAAAAAAAAAAAAAAAAAAAAAAAAAECcAABAnAAAAAAAAAAAAAAAAAAAAAAAAAAAAAAAAAAAAAAAAAAAAABQAAAAAAAAAwMD/AAAAAABkAAAAMgAAAAAAAABkAAAAAAAAAH9/fwAKAAAAIgAAABgAAAAAAAAAAAAAAAAAAAAAAAAAAAAAAAAAAAAkAAAAJAAAAAAAAAAHAAAAAAAAAAAAAAAAAAAAAAAAAAAAAAAAAAAAf39/ACUAAABYAAAAAAAAAAAAAAAAAAAAAAAAAAAAAAAAAAAAAAAAAAAAAAAAAAAAAAAAAAAAAAA/AAAAAAAAAKCGAQAAAAAAAAAAAAAAAAAMAAAAAQAAAAAAAAAAAAAAAAAAAB8AAABUAAAAAAAABQAAAAEAAAAAAAAAAAAAAAAAAAAAAAAAAAAAAAAAAAAAAAAAAAAAAAJ/f38AAAAAA8zMzADAwP8Af39/AAAAAAAAAAAAAAAAAAAAAAAAAAAAIQAAABgAAAAUAAAAsw4AAMYDAACzOwAAFh0AABAAAAAmAAAACAAAAAGAAAAAAAAAMAAAABQAAAAAAAAAAAD//wAAAQAAAP//AAABAA=="/>
+                <pr:smNativeData xmlns:pr="smNativeData" xmlns="smNativeData" val="SMDATA_16_oViJZxMAAAAlAAAAZAAAAA8BAAAAkAAAAEgAAACQAAAASAAAAAAAAAAAAAAAAAAAAAEAAABQAAAAAAAAAAAA4D8AAAAAAADgPwAAAAAAAOA/AAAAAAAA4D8AAAAAAADgPwAAAAAAAOA/AAAAAAAA4D8AAAAAAADgPwAAAAAAAOA/AAAAAAAA4D8CAAAAjAAAAAAAAAAAAAAAu+DjDP///wgAAAAAAAAAAAAAAAAAAAAAAAAAAAAAAAAAAAAAZAAAAAEAAABAAAAAAAAAAAAAAAAAAAAAAAAAAAAAAAAAAAAAAAAAAAAAAAAAAAAAAAAAAAAAAAAAAAAAAAAAAAAAAAAAAAAAAAAAAAAAAAAAAAAAAAAAAAAAAAAAAAAAFAAAADwAAAAAAAAAAAAAAAAAAAkUAAAAAQAAABQAAAAUAAAAFAAAAAEAAAAAAAAAZAAAAGQAAAAAAAAAZAAAAGQAAAAVAAAAYAAAAAAAAAAAAAAADwAAACADAAAAAAAAAAAAAAEAAACgMgAAVgcAAKr4//8BAAAAf39/AAEAAABkAAAAAAAAABQAAABAHwAAAAAAACYAAAAAAAAAwOD//wAAAAAmAAAAZAAAABYAAABMAAAAAAAAAAAAAAAEAAAAAAAAAAEAAACAgIAKAAAAACgAAAAoAAAAZAAAAGQAAAAAAAAAzMzMAAAAAABQAAAAUAAAAGQAAABkAAAAAAAAABcAAAAUAAAAAAAAAAAAAAD/fwAA/38AAAAAAAAJAAAABAAAAAAAAAAeAAAAaAAAAAAAAAAAAAAAAAAAAAAAAAAAAAAAECcAABAnAAAAAAAAAAAAAAAAAAAAAAAAAAAAAAAAAAAAAAAAAAAAABQAAAAAAAAAwMD/AAAAAABkAAAAMgAAAAAAAABkAAAAAAAAAH9/fwAKAAAAIgAAABgAAAAAAAAAAAAAAAAAAAAAAAAAAAAAAAAAAAAkAAAAJAAAAAAAAAAHAAAAAAAAAAAAAAAAAAAAAAAAAAAAAAAAAAAAf39/ACUAAABYAAAAAAAAAAAAAAAAAAAAAAAAAAAAAAAAAAAAAAAAAAAAAAAAAAAAAAAAAAAAAAA/AAAAAAAAAKCGAQAAAAAAAAAAAAAAAAAMAAAAAQAAAAAAAAAAAAAAAAAAAB8AAABUAAAAAAAABQAAAAEAAAAAAAAAAAAAAAAAAAAAAAAAAAAAAAAAAAAAAAAAAAAAAAJ/f38AAAAAA8zMzADAwP8Af39/AAAAAAAAAAAAAAAAAAAAAAAAAAAAIQAAABgAAAAUAAAAsw4AAMYDAACzOwAAFh0AABAAAAAmAAAACAAAAAGAAAAAAAAAMAAAABQAAAAAAAAAAAD//wAAAQAAAP//AAABAA=="/>
               </a:ext>
             </a:extLst>
           </p:cNvSpPr>
@@ -2609,7 +2609,7 @@
             <a:spLocks noGrp="1" noChangeArrowheads="1"/>
             <a:extLst>
               <a:ext uri="smNativeData">
-                <pr:smNativeData xmlns:pr="smNativeData" xmlns="smNativeData" val="SMDATA_16_jeCHZxMAAAAlAAAAZAAAAA8BAAAAkAAAAEgAAACQAAAASAAAAAAAAAAAAAAAAAAAAAEAAABQAAAAAAAAAAAA4D8AAAAAAADgPwAAAAAAAOA/AAAAAAAA4D8AAAAAAADgPwAAAAAAAOA/AAAAAAAA4D8AAAAAAADgPwAAAAAAAOA/AAAAAAAA4D8CAAAAjAAAAAAAAAAAAAAAu+DjDP///wgAAAAAAAAAAAAAAAAAAAAAAAAAAAAAAAAAAAAAZAAAAAEAAABAAAAAAAAAAAAAAAAAAAAAAAAAAAAAAAAAAAAAAAAAAAAAAAAAAAAAAAAAAAAAAAAAAAAAAAAAAAAAAAAAAAAAAAAAAAAAAAAAAAAAAAAAAAAAAAAAAAAAFAAAADwAAAAAAAAAAAAAAAAAAAkUAAAAAQAAABQAAAAUAAAAFAAAAAEAAAAAAAAAZAAAAGQAAAAAAAAAZAAAAGQAAAAVAAAAYAAAAAAAAAAAAAAADwAAACADAAAAAAAAAAAAAAEAAACgMgAAVgcAAKr4//8BAAAAf39/AAEAAABkAAAAAAAAABQAAABAHwAAAAAAACYAAAAAAAAAwOD//wAAAAAmAAAAZAAAABYAAABMAAAAAAAAAAAAAAAEAAAAAAAAAAEAAACAgIAKAAAAACgAAAAoAAAAZAAAAGQAAAAAAAAAzMzMAAAAAABQAAAAUAAAAGQAAABkAAAAAAAAABcAAAAUAAAAAAAAAAAAAAD/fwAA/38AAAAAAAAJAAAABAAAAAAAAAAeAAAAaAAAAAAAAAAAAAAAAAAAAAAAAAAAAAAAECcAABAnAAAAAAAAAAAAAAAAAAAAAAAAAAAAAAAAAAAAAAAAAAAAABQAAAAAAAAAwMD/AAAAAABkAAAAMgAAAAAAAABkAAAAAAAAAH9/fwAKAAAAIgAAABgAAAAAAAAAAAAAAAAAAAAAAAAAAAAAAAAAAAAkAAAAJAAAAAAAAAAHAAAAAAAAAAAAAAAAAAAAAAAAAAAAAAAAAAAAf39/ACUAAABYAAAAAAAAAAAAAAAAAAAAAAAAAAAAAAAAAAAAAAAAAAAAAAAAAAAAAAAAAAAAAAA/AAAAAAAAAKCGAQAAAAAAAAAAAAAAAAAMAAAAAQAAAAAAAAAAAAAAAAAAAB8AAABUAAAAAAAABQAAAAEAAAAAAAAAAAAAAAAAAAAAAAAAAAAAAAAAAAAAAAAAAAAAAAJ/f38AAAAAA8zMzADAwP8Af39/AAAAAAAAAAAAAAAAAAAAAAAAAAAAIQAAABgAAAAUAAAAsw4AAAQhAACzOwAA+CUAABAAAAAmAAAACAAAAAGAAAAAAAAAMAAAABQAAAAAAAAAAAD//wAAAQAAAP//AAABAA=="/>
+                <pr:smNativeData xmlns:pr="smNativeData" xmlns="smNativeData" val="SMDATA_16_oViJZxMAAAAlAAAAZAAAAA8BAAAAkAAAAEgAAACQAAAASAAAAAAAAAAAAAAAAAAAAAEAAABQAAAAAAAAAAAA4D8AAAAAAADgPwAAAAAAAOA/AAAAAAAA4D8AAAAAAADgPwAAAAAAAOA/AAAAAAAA4D8AAAAAAADgPwAAAAAAAOA/AAAAAAAA4D8CAAAAjAAAAAAAAAAAAAAAu+DjDP///wgAAAAAAAAAAAAAAAAAAAAAAAAAAAAAAAAAAAAAZAAAAAEAAABAAAAAAAAAAAAAAAAAAAAAAAAAAAAAAAAAAAAAAAAAAAAAAAAAAAAAAAAAAAAAAAAAAAAAAAAAAAAAAAAAAAAAAAAAAAAAAAAAAAAAAAAAAAAAAAAAAAAAFAAAADwAAAAAAAAAAAAAAAAAAAkUAAAAAQAAABQAAAAUAAAAFAAAAAEAAAAAAAAAZAAAAGQAAAAAAAAAZAAAAGQAAAAVAAAAYAAAAAAAAAAAAAAADwAAACADAAAAAAAAAAAAAAEAAACgMgAAVgcAAKr4//8BAAAAf39/AAEAAABkAAAAAAAAABQAAABAHwAAAAAAACYAAAAAAAAAwOD//wAAAAAmAAAAZAAAABYAAABMAAAAAAAAAAAAAAAEAAAAAAAAAAEAAACAgIAKAAAAACgAAAAoAAAAZAAAAGQAAAAAAAAAzMzMAAAAAABQAAAAUAAAAGQAAABkAAAAAAAAABcAAAAUAAAAAAAAAAAAAAD/fwAA/38AAAAAAAAJAAAABAAAAAAAAAAeAAAAaAAAAAAAAAAAAAAAAAAAAAAAAAAAAAAAECcAABAnAAAAAAAAAAAAAAAAAAAAAAAAAAAAAAAAAAAAAAAAAAAAABQAAAAAAAAAwMD/AAAAAABkAAAAMgAAAAAAAABkAAAAAAAAAH9/fwAKAAAAIgAAABgAAAAAAAAAAAAAAAAAAAAAAAAAAAAAAAAAAAAkAAAAJAAAAAAAAAAHAAAAAAAAAAAAAAAAAAAAAAAAAAAAAAAAAAAAf39/ACUAAABYAAAAAAAAAAAAAAAAAAAAAAAAAAAAAAAAAAAAAAAAAAAAAAAAAAAAAAAAAAAAAAA/AAAAAAAAAKCGAQAAAAAAAAAAAAAAAAAMAAAAAQAAAAAAAAAAAAAAAAAAAB8AAABUAAAAAAAABQAAAAEAAAAAAAAAAAAAAAAAAAAAAAAAAAAAAAAAAAAAAAAAAAAAAAJ/f38AAAAAA8zMzADAwP8Af39/AAAAAAAAAAAAAAAAAAAAAAAAAAAAIQAAABgAAAAUAAAAsw4AAAQhAACzOwAA+CUAABAAAAAmAAAACAAAAAGAAAAAAAAAMAAAABQAAAAAAAAAAAD//wAAAQAAAP//AAABAA=="/>
               </a:ext>
             </a:extLst>
           </p:cNvSpPr>
@@ -2678,7 +2678,7 @@
             <a:spLocks noGrp="1" noChangeArrowheads="1"/>
             <a:extLst>
               <a:ext uri="smNativeData">
-                <pr:smNativeData xmlns:pr="smNativeData" xmlns="smNativeData" val="SMDATA_16_jeCHZxMAAAAlAAAAZAAAAA8BAAAAkAAAAEgAAACQAAAASAAAAAAAAAABAAAAAAAAAAEAAABQAAAAAAAAAAAA4D8AAAAAAADgPwAAAAAAAOA/AAAAAAAA4D8AAAAAAADgPwAAAAAAAOA/AAAAAAAA4D8AAAAAAADgPwAAAAAAAOA/AAAAAAAA4D8CAAAAjAAAAAAAAAAAAAAAu+DjDP///wgAAAAAAAAAAAAAAAAAAAAAAAAAAAAAAAAAAAAAZAAAAAEAAABAAAAAAAAAAAAAAAAAAAAAAAAAAAAAAAAAAAAAAAAAAAAAAAAAAAAAAAAAAAAAAAAAAAAAAAAAAAAAAAAAAAAAAAAAAAAAAAAAAAAAAAAAAAAAAAAAAAAAFAAAADwAAAAAAAAAAAAAAAAAAAkUAAAAAQAAABQAAAAUAAAAFAAAAAEAAAAAAAAAZAAAAGQAAAAAAAAAZAAAAGQAAAAVAAAAYAAAAAAAAAAAAAAADwAAACADAAAAAAAAAAAAAAEAAACgMgAAVgcAAKr4//8BAAAAf39/AAEAAABkAAAAAAAAABQAAABAHwAAAAAAACYAAAAAAAAAwOD//wAAAAAmAAAAZAAAABYAAABMAAAAAAAAAAAAAAAEAAAAAAAAAAEAAACAgIAKAAAAACgAAAAoAAAAZAAAAGQAAAAAAAAAzMzMAAAAAABQAAAAUAAAAGQAAABkAAAAAAAAABcAAAAUAAAAAAAAAAAAAAD/fwAA/38AAAAAAAAJAAAABAAAAAAAAAAeAAAAaAAAAAAAAAAAAAAAAAAAAAAAAAAAAAAAECcAABAnAAAAAAAAAAAAAAAAAAAAAAAAAAAAAAAAAAAAAAAAAAAAABQAAAAAAAAAwMD/AAAAAABkAAAAMgAAAAAAAABkAAAAAAAAAH9/fwAKAAAAIgAAABgAAAAAAAAAAAAAAAAAAAAAAAAAAAAAAAAAAAAkAAAAJAAAAAAAAAAHAAAAAAAAAAAAAAAAAAAAAAAAAAAAAAAAAAAAf39/ACUAAABYAAAAAAAAAAAAAAAAAAAAAAAAAAAAAAAAAAAAAAAAAAAAAAAAAAAAAAAAAAAAAAA/AAAAAAAAAKCGAQAAAAAAAAAAAAAAAAAMAAAAAQAAAAAAAAAAAAAAAAAAAB8AAABUAAAAAAAABQAAAAEAAAAAAAAAAAAAAAAAAAAAAAAAAAAAAAAAAAAAAAAAAAAAAAJ/f38AAAAAA8zMzADAwP8Af39/AAAAAAAAAAAAAAAAAAAAAAAAAAAAIQAAABgAAAAUAAAAwAMAABsnAAA/FQAAWSkAABAAAAAmAAAACAAAAAAAAAAAAAAAMAAAABQAAAAAAAAAAAD//wAAAQAAAP//AAABAA=="/>
+                <pr:smNativeData xmlns:pr="smNativeData" xmlns="smNativeData" val="SMDATA_16_oViJZxMAAAAlAAAAZAAAAA8BAAAAkAAAAEgAAACQAAAASAAAAAAAAAABAAAAAAAAAAEAAABQAAAAAAAAAAAA4D8AAAAAAADgPwAAAAAAAOA/AAAAAAAA4D8AAAAAAADgPwAAAAAAAOA/AAAAAAAA4D8AAAAAAADgPwAAAAAAAOA/AAAAAAAA4D8CAAAAjAAAAAAAAAAAAAAAu+DjDP///wgAAAAAAAAAAAAAAAAAAAAAAAAAAAAAAAAAAAAAZAAAAAEAAABAAAAAAAAAAAAAAAAAAAAAAAAAAAAAAAAAAAAAAAAAAAAAAAAAAAAAAAAAAAAAAAAAAAAAAAAAAAAAAAAAAAAAAAAAAAAAAAAAAAAAAAAAAAAAAAAAAAAAFAAAADwAAAAAAAAAAAAAAAAAAAkUAAAAAQAAABQAAAAUAAAAFAAAAAEAAAAAAAAAZAAAAGQAAAAAAAAAZAAAAGQAAAAVAAAAYAAAAAAAAAAAAAAADwAAACADAAAAAAAAAAAAAAEAAACgMgAAVgcAAKr4//8BAAAAf39/AAEAAABkAAAAAAAAABQAAABAHwAAAAAAACYAAAAAAAAAwOD//wAAAAAmAAAAZAAAABYAAABMAAAAAAAAAAAAAAAEAAAAAAAAAAEAAACAgIAKAAAAACgAAAAoAAAAZAAAAGQAAAAAAAAAzMzMAAAAAABQAAAAUAAAAGQAAABkAAAAAAAAABcAAAAUAAAAAAAAAAAAAAD/fwAA/38AAAAAAAAJAAAABAAAAAAAAAAeAAAAaAAAAAAAAAAAAAAAAAAAAAAAAAAAAAAAECcAABAnAAAAAAAAAAAAAAAAAAAAAAAAAAAAAAAAAAAAAAAAAAAAABQAAAAAAAAAwMD/AAAAAABkAAAAMgAAAAAAAABkAAAAAAAAAH9/fwAKAAAAIgAAABgAAAAAAAAAAAAAAAAAAAAAAAAAAAAAAAAAAAAkAAAAJAAAAAAAAAAHAAAAAAAAAAAAAAAAAAAAAAAAAAAAAAAAAAAAf39/ACUAAABYAAAAAAAAAAAAAAAAAAAAAAAAAAAAAAAAAAAAAAAAAAAAAAAAAAAAAAAAAAAAAAA/AAAAAAAAAKCGAQAAAAAAAAAAAAAAAAAMAAAAAQAAAAAAAAAAAAAAAAAAAB8AAABUAAAAAAAABQAAAAEAAAAAAAAAAAAAAAAAAAAAAAAAAAAAAAAAAAAAAAAAAAAAAAJ/f38AAAAAA8zMzADAwP8Af39/AAAAAAAAAAAAAAAAAAAAAAAAAAAAIQAAABgAAAAUAAAAwAMAABsnAAA/FQAAWSkAABAAAAAmAAAACAAAAAAAAAAAAAAAMAAAABQAAAAAAAAAAAD//wAAAQAAAP//AAABAA=="/>
               </a:ext>
             </a:extLst>
           </p:cNvSpPr>
@@ -2692,7 +2692,7 @@
           <a:lstStyle/>
           <a:p>
             <a:pPr/>
-            <a:fld id="{3D25B22D-63D0-7044-9E9D-9511FCD368C0}" type="datetime1">
+            <a:fld id="{3D8E192B-65D0-DBEF-9E36-93BA577868C6}" type="datetime1">
               <a:t/>
             </a:fld>
           </a:p>
@@ -2705,7 +2705,7 @@
             <a:spLocks noGrp="1" noChangeArrowheads="1"/>
             <a:extLst>
               <a:ext uri="smNativeData">
-                <pr:smNativeData xmlns:pr="smNativeData" xmlns="smNativeData" val="SMDATA_16_jeCHZxMAAAAlAAAAZAAAAA8BAAAAkAAAAEgAAACQAAAASAAAAAAAAAABAAAAAAAAAAEAAABQAAAAAAAAAAAA4D8AAAAAAADgPwAAAAAAAOA/AAAAAAAA4D8AAAAAAADgPwAAAAAAAOA/AAAAAAAA4D8AAAAAAADgPwAAAAAAAOA/AAAAAAAA4D8CAAAAjAAAAAAAAAAAAAAAu+DjDP///wgAAAAAAAAAAAAAAAAAAAAAAAAAAAAAAAAAAAAAZAAAAAEAAABAAAAAAAAAAAAAAAAAAAAAAAAAAAAAAAAAAAAAAAAAAAAAAAAAAAAAAAAAAAAAAAAAAAAAAAAAAAAAAAAAAAAAAAAAAAAAAAAAAAAAAAAAAAAAAAAAAAAAFAAAADwAAAAAAAAAAAAAAAAAAAkUAAAAAQAAABQAAAAUAAAAFAAAAAEAAAAAAAAAZAAAAGQAAAAAAAAAZAAAAGQAAAAVAAAAYAAAAAAAAAAAAAAADwAAACADAAAAAAAAAAAAAAEAAACgMgAAVgcAAKr4//8BAAAAf39/AAEAAABkAAAAAAAAABQAAABAHwAAAAAAACYAAAAAAAAAwOD//wAAAAAmAAAAZAAAABYAAABMAAAAAAAAAAAAAAAEAAAAAAAAAAEAAACAgIAKAAAAACgAAAAoAAAAZAAAAGQAAAAAAAAAzMzMAAAAAABQAAAAUAAAAGQAAABkAAAAAAAAABcAAAAUAAAAAAAAAAAAAAD/fwAA/38AAAAAAAAJAAAABAAAAAAAAAAeAAAAaAAAAAAAAAAAAAAAAAAAAAAAAAAAAAAAECcAABAnAAAAAAAAAAAAAAAAAAAAAAAAAAAAAAAAAAAAAAAAAAAAABQAAAAAAAAAwMD/AAAAAABkAAAAMgAAAAAAAABkAAAAAAAAAH9/fwAKAAAAIgAAABgAAAAAAAAAAAAAAAAAAAAAAAAAAAAAAAAAAAAkAAAAJAAAAAAAAAAHAAAAAAAAAAAAAAAAAAAAAAAAAAAAAAAAAAAAf39/ACUAAABYAAAAAAAAAAAAAAAAAAAAAAAAAAAAAAAAAAAAAAAAAAAAAAAAAAAAAAAAAAAAAAA/AAAAAAAAAKCGAQAAAAAAAAAAAAAAAAAMAAAAAQAAAAAAAAAAAAAAAAAAAB8AAABUAAAAAAAABQAAAAEAAAAAAAAAAAAAAAAAAAAAAAAAAAAAAAAAAAAAAAAAAAAAAAJ/f38AAAAAA8zMzADAwP8Af39/AAAAAAAAAAAAAAAAAAAAAAAAAAAAIQAAABgAAAAUAAAAoRkAABsnAABfMQAAWSkAABAAAAAmAAAACAAAAAAAAAAAAAAAMAAAABQAAAAAAAAAAAD//wAAAQAAAP//AAABAA=="/>
+                <pr:smNativeData xmlns:pr="smNativeData" xmlns="smNativeData" val="SMDATA_16_oViJZxMAAAAlAAAAZAAAAA8BAAAAkAAAAEgAAACQAAAASAAAAAAAAAABAAAAAAAAAAEAAABQAAAAAAAAAAAA4D8AAAAAAADgPwAAAAAAAOA/AAAAAAAA4D8AAAAAAADgPwAAAAAAAOA/AAAAAAAA4D8AAAAAAADgPwAAAAAAAOA/AAAAAAAA4D8CAAAAjAAAAAAAAAAAAAAAu+DjDP///wgAAAAAAAAAAAAAAAAAAAAAAAAAAAAAAAAAAAAAZAAAAAEAAABAAAAAAAAAAAAAAAAAAAAAAAAAAAAAAAAAAAAAAAAAAAAAAAAAAAAAAAAAAAAAAAAAAAAAAAAAAAAAAAAAAAAAAAAAAAAAAAAAAAAAAAAAAAAAAAAAAAAAFAAAADwAAAAAAAAAAAAAAAAAAAkUAAAAAQAAABQAAAAUAAAAFAAAAAEAAAAAAAAAZAAAAGQAAAAAAAAAZAAAAGQAAAAVAAAAYAAAAAAAAAAAAAAADwAAACADAAAAAAAAAAAAAAEAAACgMgAAVgcAAKr4//8BAAAAf39/AAEAAABkAAAAAAAAABQAAABAHwAAAAAAACYAAAAAAAAAwOD//wAAAAAmAAAAZAAAABYAAABMAAAAAAAAAAAAAAAEAAAAAAAAAAEAAACAgIAKAAAAACgAAAAoAAAAZAAAAGQAAAAAAAAAzMzMAAAAAABQAAAAUAAAAGQAAABkAAAAAAAAABcAAAAUAAAAAAAAAAAAAAD/fwAA/38AAAAAAAAJAAAABAAAAAAAAAAeAAAAaAAAAAAAAAAAAAAAAAAAAAAAAAAAAAAAECcAABAnAAAAAAAAAAAAAAAAAAAAAAAAAAAAAAAAAAAAAAAAAAAAABQAAAAAAAAAwMD/AAAAAABkAAAAMgAAAAAAAABkAAAAAAAAAH9/fwAKAAAAIgAAABgAAAAAAAAAAAAAAAAAAAAAAAAAAAAAAAAAAAAkAAAAJAAAAAAAAAAHAAAAAAAAAAAAAAAAAAAAAAAAAAAAAAAAAAAAf39/ACUAAABYAAAAAAAAAAAAAAAAAAAAAAAAAAAAAAAAAAAAAAAAAAAAAAAAAAAAAAAAAAAAAAA/AAAAAAAAAKCGAQAAAAAAAAAAAAAAAAAMAAAAAQAAAAAAAAAAAAAAAAAAAB8AAABUAAAAAAAABQAAAAEAAAAAAAAAAAAAAAAAAAAAAAAAAAAAAAAAAAAAAAAAAAAAAAJ/f38AAAAAA8zMzADAwP8Af39/AAAAAAAAAAAAAAAAAAAAAAAAAAAAIQAAABgAAAAUAAAAoRkAABsnAABfMQAAWSkAABAAAAAmAAAACAAAAAAAAAAAAAAAMAAAABQAAAAAAAAAAAD//wAAAQAAAP//AAABAA=="/>
               </a:ext>
             </a:extLst>
           </p:cNvSpPr>
@@ -2729,7 +2729,7 @@
             <a:spLocks noGrp="1" noChangeArrowheads="1"/>
             <a:extLst>
               <a:ext uri="smNativeData">
-                <pr:smNativeData xmlns:pr="smNativeData" xmlns="smNativeData" val="SMDATA_16_jeCHZxMAAAAlAAAAZAAAAA8BAAAAkAAAAEgAAACQAAAASAAAAAAAAAABAAAAAAAAAAEAAABQAAAAAAAAAAAA4D8AAAAAAADgPwAAAAAAAOA/AAAAAAAA4D8AAAAAAADgPwAAAAAAAOA/AAAAAAAA4D8AAAAAAADgPwAAAAAAAOA/AAAAAAAA4D8CAAAAjAAAAAAAAAAAAAAAu+DjDP///wgAAAAAAAAAAAAAAAAAAAAAAAAAAAAAAAAAAAAAZAAAAAEAAABAAAAAAAAAAAAAAAAAAAAAAAAAAAAAAAAAAAAAAAAAAAAAAAAAAAAAAAAAAAAAAAAAAAAAAAAAAAAAAAAAAAAAAAAAAAAAAAAAAAAAAAAAAAAAAAAAAAAAFAAAADwAAAAAAAAAAAAAAAAAAAkUAAAAAQAAABQAAAAUAAAAFAAAAAEAAAAAAAAAZAAAAGQAAAAAAAAAZAAAAGQAAAAVAAAAYAAAAAAAAAAAAAAADwAAACADAAAAAAAAAAAAAAEAAACgMgAAVgcAAKr4//8BAAAAf39/AAEAAABkAAAAAAAAABQAAABAHwAAAAAAACYAAAAAAAAAwOD//wAAAAAmAAAAZAAAABYAAABMAAAAAAAAAAAAAAAEAAAAAAAAAAEAAACAgIAKAAAAACgAAAAoAAAAZAAAAGQAAAAAAAAAzMzMAAAAAABQAAAAUAAAAGQAAABkAAAAAAAAABcAAAAUAAAAAAAAAAAAAAD/fwAA/38AAAAAAAAJAAAABAAAAAAAAAAeAAAAaAAAAAAAAAAAAAAAAAAAAAAAAAAAAAAAECcAABAnAAAAAAAAAAAAAAAAAAAAAAAAAAAAAAAAAAAAAAAAAAAAABQAAAAAAAAAwMD/AAAAAABkAAAAMgAAAAAAAABkAAAAAAAAAH9/fwAKAAAAIgAAABgAAAAAAAAAAAAAAAAAAAAAAAAAAAAAAAAAAAAkAAAAJAAAAAAAAAAHAAAAAAAAAAAAAAAAAAAAAAAAAAAAAAAAAAAAf39/ACUAAABYAAAAAAAAAAAAAAAAAAAAAAAAAAAAAAAAAAAAAAAAAAAAAAAAAAAAAAAAAAAAAAA/AAAAAAAAAKCGAQAAAAAAAAAAAAAAAAAMAAAAAQAAAAAAAAAAAAAAAAAAAB8AAABUAAAAAAAABQAAAAEAAAAAAAAAAAAAAAAAAAAAAAAAAAAAAAAAAAAAAAAAAAAAAAJ/f38AAAAAA8zMzADAwP8Af39/AAAAAAAAAAAAAAAAAAAAAAAAAAAAIQAAABgAAAAUAAAAwTUAABsnAABARwAAWSkAABAAAAAmAAAACAAAAAAAAAAAAAAAMAAAABQAAAAAAAAAAAD//wAAAQAAAP//AAABAA=="/>
+                <pr:smNativeData xmlns:pr="smNativeData" xmlns="smNativeData" val="SMDATA_16_oViJZxMAAAAlAAAAZAAAAA8BAAAAkAAAAEgAAACQAAAASAAAAAAAAAABAAAAAAAAAAEAAABQAAAAAAAAAAAA4D8AAAAAAADgPwAAAAAAAOA/AAAAAAAA4D8AAAAAAADgPwAAAAAAAOA/AAAAAAAA4D8AAAAAAADgPwAAAAAAAOA/AAAAAAAA4D8CAAAAjAAAAAAAAAAAAAAAu+DjDP///wgAAAAAAAAAAAAAAAAAAAAAAAAAAAAAAAAAAAAAZAAAAAEAAABAAAAAAAAAAAAAAAAAAAAAAAAAAAAAAAAAAAAAAAAAAAAAAAAAAAAAAAAAAAAAAAAAAAAAAAAAAAAAAAAAAAAAAAAAAAAAAAAAAAAAAAAAAAAAAAAAAAAAFAAAADwAAAAAAAAAAAAAAAAAAAkUAAAAAQAAABQAAAAUAAAAFAAAAAEAAAAAAAAAZAAAAGQAAAAAAAAAZAAAAGQAAAAVAAAAYAAAAAAAAAAAAAAADwAAACADAAAAAAAAAAAAAAEAAACgMgAAVgcAAKr4//8BAAAAf39/AAEAAABkAAAAAAAAABQAAABAHwAAAAAAACYAAAAAAAAAwOD//wAAAAAmAAAAZAAAABYAAABMAAAAAAAAAAAAAAAEAAAAAAAAAAEAAACAgIAKAAAAACgAAAAoAAAAZAAAAGQAAAAAAAAAzMzMAAAAAABQAAAAUAAAAGQAAABkAAAAAAAAABcAAAAUAAAAAAAAAAAAAAD/fwAA/38AAAAAAAAJAAAABAAAAAAAAAAeAAAAaAAAAAAAAAAAAAAAAAAAAAAAAAAAAAAAECcAABAnAAAAAAAAAAAAAAAAAAAAAAAAAAAAAAAAAAAAAAAAAAAAABQAAAAAAAAAwMD/AAAAAABkAAAAMgAAAAAAAABkAAAAAAAAAH9/fwAKAAAAIgAAABgAAAAAAAAAAAAAAAAAAAAAAAAAAAAAAAAAAAAkAAAAJAAAAAAAAAAHAAAAAAAAAAAAAAAAAAAAAAAAAAAAAAAAAAAAf39/ACUAAABYAAAAAAAAAAAAAAAAAAAAAAAAAAAAAAAAAAAAAAAAAAAAAAAAAAAAAAAAAAAAAAA/AAAAAAAAAKCGAQAAAAAAAAAAAAAAAAAMAAAAAQAAAAAAAAAAAAAAAAAAAB8AAABUAAAAAAAABQAAAAEAAAAAAAAAAAAAAAAAAAAAAAAAAAAAAAAAAAAAAAAAAAAAAAJ/f38AAAAAA8zMzADAwP8Af39/AAAAAAAAAAAAAAAAAAAAAAAAAAAAIQAAABgAAAAUAAAAwTUAABsnAABARwAAWSkAABAAAAAmAAAACAAAAAAAAAAAAAAAMAAAABQAAAAAAAAAAAD//wAAAQAAAP//AAABAA=="/>
               </a:ext>
             </a:extLst>
           </p:cNvSpPr>
@@ -2743,7 +2743,7 @@
           <a:lstStyle/>
           <a:p>
             <a:pPr/>
-            <a:fld id="{3D258FB5-FBD0-7079-9E9D-0D2CC1D36858}" type="slidenum">
+            <a:fld id="{3D8E3F57-19D0-DBC9-9E36-EF9C717868BA}" type="slidenum">
               <a:t/>
             </a:fld>
           </a:p>
@@ -2790,7 +2790,7 @@
             <a:spLocks noGrp="1" noChangeArrowheads="1"/>
             <a:extLst>
               <a:ext uri="smNativeData">
-                <pr:smNativeData xmlns:pr="smNativeData" xmlns="smNativeData" val="SMDATA_16_jeCHZxMAAAAlAAAAZAAAAA8BAAAAkAAAAEgAAACQAAAASAAAAAAAAAABAAAAAAAAAAEAAABQAAAAAAAAAAAA4D8AAAAAAADgPwAAAAAAAOA/AAAAAAAA4D8AAAAAAADgPwAAAAAAAOA/AAAAAAAA4D8AAAAAAADgPwAAAAAAAOA/AAAAAAAA4D8CAAAAjAAAAAAAAAAAAAAAu+DjDP///wgAAAAAAAAAAAAAAAAAAAAAAAAAAAAAAAAAAAAAZAAAAAEAAABAAAAAAAAAAAAAAAAAAAAAAAAAAAAAAAAAAAAAAAAAAAAAAAAAAAAAAAAAAAAAAAAAAAAAAAAAAAAAAAAAAAAAAAAAAAAAAAAAAAAAAAAAAAAAAAAAAAAAFAAAADwAAAAAAAAAAAAAAAAAAAkUAAAAAQAAABQAAAAUAAAAFAAAAAEAAAAAAAAAZAAAAGQAAAAAAAAAZAAAAGQAAAAVAAAAYAAAAAAAAAAAAAAADwAAACADAAAAAAAAAAAAAAEAAACgMgAAVgcAAKr4//8BAAAAf39/AAEAAABkAAAAAAAAABQAAABAHwAAAAAAACYAAAAAAAAAwOD//wAAAAAmAAAAZAAAABYAAABMAAAAAAAAAAAAAAAEAAAAAAAAAAEAAACAgIAKAAAAACgAAAAoAAAAZAAAAGQAAAAAAAAAzMzMAAAAAABQAAAAUAAAAGQAAABkAAAAAAAAABcAAAAUAAAAAAAAAAAAAAD/fwAA/38AAAAAAAAJAAAABAAAAHsAfAAeAAAAaAAAAAAAAAAAAAAAAAAAAAAAAAAAAAAAECcAABAnAAAAAAAAAAAAAAAAAAAAAAAAAAAAAAAAAAAAAAAAAAAAABQAAAAAAAAAwMD/AAAAAABkAAAAMgAAAAAAAABkAAAAAAAAAH9/fwAKAAAAIgAAABgAAAAAAAAAAAAAAAAAAAAAAAAAAAAAAAAAAAAkAAAAJAAAAAAAAAAHAAAAAAAAAAAAAAAAAAAAAAAAAAAAAAAAAAAAf39/ACUAAABYAAAAAAAAAAAAAAAAAAAAAAAAAAAAAAAAAAAAAAAAAAAAAAAAAAAAAAAAAAAAAAA/AAAAAAAAAKCGAQAAAAAAAAAAAAAAAAAMAAAAAQAAAAAAAAAAAAAAAAAAAB8AAABUAAAAAAAABQAAAAEAAAAAAAAAAAAAAAAAAAAAAAAAAAAAAAAAAAAAAAAAAAAAAAJ/f38AAAAAA8zMzADAwP8Af39/AAAAAAAAAAAAAAAAAAAAAAAAAAAAIQAAABgAAAAUAAAAwAMAALABAABARwAAuAgAABAAAAAmAAAACAAAAP//////////MAAAABQAAAAAAAAAAAD//wAAAQAAAP//AAABAA=="/>
+                <pr:smNativeData xmlns:pr="smNativeData" xmlns="smNativeData" val="SMDATA_16_oViJZxMAAAAlAAAAZAAAAA8BAAAAkAAAAEgAAACQAAAASAAAAAAAAAABAAAAAAAAAAEAAABQAAAAAAAAAAAA4D8AAAAAAADgPwAAAAAAAOA/AAAAAAAA4D8AAAAAAADgPwAAAAAAAOA/AAAAAAAA4D8AAAAAAADgPwAAAAAAAOA/AAAAAAAA4D8CAAAAjAAAAAAAAAAAAAAAu+DjDP///wgAAAAAAAAAAAAAAAAAAAAAAAAAAAAAAAAAAAAAZAAAAAEAAABAAAAAAAAAAAAAAAAAAAAAAAAAAAAAAAAAAAAAAAAAAAAAAAAAAAAAAAAAAAAAAAAAAAAAAAAAAAAAAAAAAAAAAAAAAAAAAAAAAAAAAAAAAAAAAAAAAAAAFAAAADwAAAAAAAAAAAAAAAAAAAkUAAAAAQAAABQAAAAUAAAAFAAAAAEAAAAAAAAAZAAAAGQAAAAAAAAAZAAAAGQAAAAVAAAAYAAAAAAAAAAAAAAADwAAACADAAAAAAAAAAAAAAEAAACgMgAAVgcAAKr4//8BAAAAf39/AAEAAABkAAAAAAAAABQAAABAHwAAAAAAACYAAAAAAAAAwOD//wAAAAAmAAAAZAAAABYAAABMAAAAAAAAAAAAAAAEAAAAAAAAAAEAAACAgIAKAAAAACgAAAAoAAAAZAAAAGQAAAAAAAAAzMzMAAAAAABQAAAAUAAAAGQAAABkAAAAAAAAABcAAAAUAAAAAAAAAAAAAAD/fwAA/38AAAAAAAAJAAAABAAAAHsAfAAeAAAAaAAAAAAAAAAAAAAAAAAAAAAAAAAAAAAAECcAABAnAAAAAAAAAAAAAAAAAAAAAAAAAAAAAAAAAAAAAAAAAAAAABQAAAAAAAAAwMD/AAAAAABkAAAAMgAAAAAAAABkAAAAAAAAAH9/fwAKAAAAIgAAABgAAAAAAAAAAAAAAAAAAAAAAAAAAAAAAAAAAAAkAAAAJAAAAAAAAAAHAAAAAAAAAAAAAAAAAAAAAAAAAAAAAAAAAAAAf39/ACUAAABYAAAAAAAAAAAAAAAAAAAAAAAAAAAAAAAAAAAAAAAAAAAAAAAAAAAAAAAAAAAAAAA/AAAAAAAAAKCGAQAAAAAAAAAAAAAAAAAMAAAAAQAAAAAAAAAAAAAAAAAAAB8AAABUAAAAAAAABQAAAAEAAAAAAAAAAAAAAAAAAAAAAAAAAAAAAAAAAAAAAAAAAAAAAAJ/f38AAAAAA8zMzADAwP8Af39/AAAAAAAAAAAAAAAAAAAAAAAAAAAAIQAAABgAAAAUAAAAwAMAALABAABARwAAuAgAABAAAAAmAAAACAAAAP//////////MAAAABQAAAAAAAAAAAD//wAAAQAAAP//AAABAA=="/>
               </a:ext>
             </a:extLst>
           </p:cNvSpPr>
@@ -2834,7 +2834,7 @@
             <a:spLocks noGrp="1" noChangeArrowheads="1"/>
             <a:extLst>
               <a:ext uri="smNativeData">
-                <pr:smNativeData xmlns:pr="smNativeData" xmlns="smNativeData" val="SMDATA_16_jeCHZxMAAAAlAAAAZAAAAA8BAAAAkAAAAEgAAACQAAAASAAAAAAAAAAAAAAAAAAAAAEAAABQAAAAAAAAAAAA4D8AAAAAAADgPwAAAAAAAOA/AAAAAAAA4D8AAAAAAADgPwAAAAAAAOA/AAAAAAAA4D8AAAAAAADgPwAAAAAAAOA/AAAAAAAA4D8CAAAAjAAAAAAAAAAAAAAAu+DjDP///wgAAAAAAAAAAAAAAAAAAAAAAAAAAAAAAAAAAAAAZAAAAAEAAABAAAAAAAAAAAAAAAAAAAAAAAAAAAAAAAAAAAAAAAAAAAAAAAAAAAAAAAAAAAAAAAAAAAAAAAAAAAAAAAAAAAAAAAAAAAAAAAAAAAAAAAAAAAAAAAAAAAAAFAAAADwAAAAAAAAAAAAAAAAAAAkUAAAAAQAAABQAAAAUAAAAFAAAAAEAAAAAAAAAZAAAAGQAAAAAAAAAZAAAAGQAAAAVAAAAYAAAAAAAAAAAAAAADwAAACADAAAAAAAAAAAAAAEAAACgMgAAVgcAAKr4//8BAAAAf39/AAEAAABkAAAAAAAAABQAAABAHwAAAAAAACYAAAAAAAAAwOD//wAAAAAmAAAAZAAAABYAAABMAAAAAAAAAAAAAAAEAAAAAAAAAAEAAACAgIAKAAAAACgAAAAoAAAAZAAAAGQAAAAAAAAAzMzMAAAAAABQAAAAUAAAAGQAAABkAAAAAAAAABcAAAAUAAAAAAAAAAAAAAD/fwAA/38AAAAAAAAJAAAABAAAAHsAfAAeAAAAaAAAAAAAAAAAAAAAAAAAAAAAAAAAAAAAECcAABAnAAAAAAAAAAAAAAAAAAAAAAAAAAAAAAAAAAAAAAAAAAAAABQAAAAAAAAAwMD/AAAAAABkAAAAMgAAAAAAAABkAAAAAAAAAH9/fwAKAAAAIgAAABgAAAAAAAAAAAAAAAAAAAAAAAAAAAAAAAAAAAAkAAAAJAAAAAAAAAAHAAAAAAAAAAAAAAAAAAAAAAAAAAAAAAAAAAAAf39/ACUAAABYAAAAAAAAAAAAAAAAAAAAAAAAAAAAAAAAAAAAAAAAAAAAAAAAAAAAAAAAAAAAAAA/AAAAAAAAAKCGAQAAAAAAAAAAAAAAAAAMAAAAAQAAAAAAAAAAAAAAAAAAAB8AAABUAAAAAAAABQAAAAEAAAAAAAAAAAAAAAAAAAAAAAAAAAAAAAAAAAAAAAAAAAAAAAJ/f38AAAAAA8zMzADAwP8Af39/AAAAAAAAAAAAAAAAAAAAAAAAAAAAIQAAABgAAAAUAAAAwAMAANgJAABARwAAsCUAABAAAAAmAAAACAAAAP//////////MAAAABQAAAAAAAAAAAD//wAAAQAAAP//AAABAA=="/>
+                <pr:smNativeData xmlns:pr="smNativeData" xmlns="smNativeData" val="SMDATA_16_oViJZxMAAAAlAAAAZAAAAA8BAAAAkAAAAEgAAACQAAAASAAAAAAAAAAAAAAAAAAAAAEAAABQAAAAAAAAAAAA4D8AAAAAAADgPwAAAAAAAOA/AAAAAAAA4D8AAAAAAADgPwAAAAAAAOA/AAAAAAAA4D8AAAAAAADgPwAAAAAAAOA/AAAAAAAA4D8CAAAAjAAAAAAAAAAAAAAAu+DjDP///wgAAAAAAAAAAAAAAAAAAAAAAAAAAAAAAAAAAAAAZAAAAAEAAABAAAAAAAAAAAAAAAAAAAAAAAAAAAAAAAAAAAAAAAAAAAAAAAAAAAAAAAAAAAAAAAAAAAAAAAAAAAAAAAAAAAAAAAAAAAAAAAAAAAAAAAAAAAAAAAAAAAAAFAAAADwAAAAAAAAAAAAAAAAAAAkUAAAAAQAAABQAAAAUAAAAFAAAAAEAAAAAAAAAZAAAAGQAAAAAAAAAZAAAAGQAAAAVAAAAYAAAAAAAAAAAAAAADwAAACADAAAAAAAAAAAAAAEAAACgMgAAVgcAAKr4//8BAAAAf39/AAEAAABkAAAAAAAAABQAAABAHwAAAAAAACYAAAAAAAAAwOD//wAAAAAmAAAAZAAAABYAAABMAAAAAAAAAAAAAAAEAAAAAAAAAAEAAACAgIAKAAAAACgAAAAoAAAAZAAAAGQAAAAAAAAAzMzMAAAAAABQAAAAUAAAAGQAAABkAAAAAAAAABcAAAAUAAAAAAAAAAAAAAD/fwAA/38AAAAAAAAJAAAABAAAAHsAfAAeAAAAaAAAAAAAAAAAAAAAAAAAAAAAAAAAAAAAECcAABAnAAAAAAAAAAAAAAAAAAAAAAAAAAAAAAAAAAAAAAAAAAAAABQAAAAAAAAAwMD/AAAAAABkAAAAMgAAAAAAAABkAAAAAAAAAH9/fwAKAAAAIgAAABgAAAAAAAAAAAAAAAAAAAAAAAAAAAAAAAAAAAAkAAAAJAAAAAAAAAAHAAAAAAAAAAAAAAAAAAAAAAAAAAAAAAAAAAAAf39/ACUAAABYAAAAAAAAAAAAAAAAAAAAAAAAAAAAAAAAAAAAAAAAAAAAAAAAAAAAAAAAAAAAAAA/AAAAAAAAAKCGAQAAAAAAAAAAAAAAAAAMAAAAAQAAAAAAAAAAAAAAAAAAAB8AAABUAAAAAAAABQAAAAEAAAAAAAAAAAAAAAAAAAAAAAAAAAAAAAAAAAAAAAAAAAAAAAJ/f38AAAAAA8zMzADAwP8Af39/AAAAAAAAAAAAAAAAAAAAAAAAAAAAIQAAABgAAAAUAAAAwAMAANgJAABARwAAsCUAABAAAAAmAAAACAAAAP//////////MAAAABQAAAAAAAAAAAD//wAAAQAAAP//AAABAA=="/>
               </a:ext>
             </a:extLst>
           </p:cNvSpPr>
@@ -2902,7 +2902,7 @@
             <a:spLocks noGrp="1" noChangeArrowheads="1"/>
             <a:extLst>
               <a:ext uri="smNativeData">
-                <pr:smNativeData xmlns:pr="smNativeData" xmlns="smNativeData" val="SMDATA_16_jeCHZxMAAAAlAAAAZAAAAA8BAAAAkAAAAEgAAACQAAAASAAAAAAAAAABAAAAAAAAAAEAAABQAAAAAAAAAAAA4D8AAAAAAADgPwAAAAAAAOA/AAAAAAAA4D8AAAAAAADgPwAAAAAAAOA/AAAAAAAA4D8AAAAAAADgPwAAAAAAAOA/AAAAAAAA4D8CAAAAjAAAAAAAAAAAAAAAu+DjDP///wgAAAAAAAAAAAAAAAAAAAAAAAAAAAAAAAAAAAAAZAAAAAEAAABAAAAAAAAAAAAAAAAAAAAAAAAAAAAAAAAAAAAAAAAAAAAAAAAAAAAAAAAAAAAAAAAAAAAAAAAAAAAAAAAAAAAAAAAAAAAAAAAAAAAAAAAAAAAAAAAAAAAAFAAAADwAAAAAAAAAAAAAAAAAAAkUAAAAAQAAABQAAAAUAAAAFAAAAAEAAAAAAAAAZAAAAGQAAAAAAAAAZAAAAGQAAAAVAAAAYAAAAAAAAAAAAAAADwAAACADAAAAAAAAAAAAAAEAAACgMgAAVgcAAKr4//8BAAAAf39/AAEAAABkAAAAAAAAABQAAABAHwAAAAAAACYAAAAAAAAAwOD//wAAAAAmAAAAZAAAABYAAABMAAAAAAAAAAAAAAAEAAAAAAAAAAEAAACAgIAKAAAAACgAAAAoAAAAZAAAAGQAAAAAAAAAzMzMAAAAAABQAAAAUAAAAGQAAABkAAAAAAAAABcAAAAUAAAAAAAAAAAAAAD/fwAA/38AAAAAAAAJAAAABAAAAHsAfAAeAAAAaAAAAAAAAAAAAAAAAAAAAAAAAAAAAAAAECcAABAnAAAAAAAAAAAAAAAAAAAAAAAAAAAAAAAAAAAAAAAAAAAAABQAAAAAAAAAwMD/AAAAAABkAAAAMgAAAAAAAABkAAAAAAAAAH9/fwAKAAAAIgAAABgAAAAAAAAAAAAAAAAAAAAAAAAAAAAAAAAAAAAkAAAAJAAAAAAAAAAHAAAAAAAAAAAAAAAAAAAAAAAAAAAAAAAAAAAAf39/ACUAAABYAAAAAAAAAAAAAAAAAAAAAAAAAAAAAAAAAAAAAAAAAAAAAAAAAAAAAAAAAAAAAAA/AAAAAAAAAKCGAQAAAAAAAAAAAAAAAAAMAAAAAQAAAAAAAAAAAAAAAAAAAB8AAABUAAAAAAAABQAAAAEAAAAAAAAAAAAAAAAAAAAAAAAAAAAAAAAAAAAAAAAAAAAAAAJ/f38AAAAAA8zMzADAwP8Af39/AAAAAAAAAAAAAAAAAAAAAAAAAAAAIQAAABgAAAAUAAAAwAMAABsnAAA/FQAAWSkAABAAAAAmAAAACAAAAP//////////MAAAABQAAAAAAAAAAAD//wAAAQAAAP//AAABAA=="/>
+                <pr:smNativeData xmlns:pr="smNativeData" xmlns="smNativeData" val="SMDATA_16_oViJZxMAAAAlAAAAZAAAAA8BAAAAkAAAAEgAAACQAAAASAAAAAAAAAABAAAAAAAAAAEAAABQAAAAAAAAAAAA4D8AAAAAAADgPwAAAAAAAOA/AAAAAAAA4D8AAAAAAADgPwAAAAAAAOA/AAAAAAAA4D8AAAAAAADgPwAAAAAAAOA/AAAAAAAA4D8CAAAAjAAAAAAAAAAAAAAAu+DjDP///wgAAAAAAAAAAAAAAAAAAAAAAAAAAAAAAAAAAAAAZAAAAAEAAABAAAAAAAAAAAAAAAAAAAAAAAAAAAAAAAAAAAAAAAAAAAAAAAAAAAAAAAAAAAAAAAAAAAAAAAAAAAAAAAAAAAAAAAAAAAAAAAAAAAAAAAAAAAAAAAAAAAAAFAAAADwAAAAAAAAAAAAAAAAAAAkUAAAAAQAAABQAAAAUAAAAFAAAAAEAAAAAAAAAZAAAAGQAAAAAAAAAZAAAAGQAAAAVAAAAYAAAAAAAAAAAAAAADwAAACADAAAAAAAAAAAAAAEAAACgMgAAVgcAAKr4//8BAAAAf39/AAEAAABkAAAAAAAAABQAAABAHwAAAAAAACYAAAAAAAAAwOD//wAAAAAmAAAAZAAAABYAAABMAAAAAAAAAAAAAAAEAAAAAAAAAAEAAACAgIAKAAAAACgAAAAoAAAAZAAAAGQAAAAAAAAAzMzMAAAAAABQAAAAUAAAAGQAAABkAAAAAAAAABcAAAAUAAAAAAAAAAAAAAD/fwAA/38AAAAAAAAJAAAABAAAAHsAfAAeAAAAaAAAAAAAAAAAAAAAAAAAAAAAAAAAAAAAECcAABAnAAAAAAAAAAAAAAAAAAAAAAAAAAAAAAAAAAAAAAAAAAAAABQAAAAAAAAAwMD/AAAAAABkAAAAMgAAAAAAAABkAAAAAAAAAH9/fwAKAAAAIgAAABgAAAAAAAAAAAAAAAAAAAAAAAAAAAAAAAAAAAAkAAAAJAAAAAAAAAAHAAAAAAAAAAAAAAAAAAAAAAAAAAAAAAAAAAAAf39/ACUAAABYAAAAAAAAAAAAAAAAAAAAAAAAAAAAAAAAAAAAAAAAAAAAAAAAAAAAAAAAAAAAAAA/AAAAAAAAAKCGAQAAAAAAAAAAAAAAAAAMAAAAAQAAAAAAAAAAAAAAAAAAAB8AAABUAAAAAAAABQAAAAEAAAAAAAAAAAAAAAAAAAAAAAAAAAAAAAAAAAAAAAAAAAAAAAJ/f38AAAAAA8zMzADAwP8Af39/AAAAAAAAAAAAAAAAAAAAAAAAAAAAIQAAABgAAAAUAAAAwAMAABsnAAA/FQAAWSkAABAAAAAmAAAACAAAAP//////////MAAAABQAAAAAAAAAAAD//wAAAQAAAP//AAABAA=="/>
               </a:ext>
             </a:extLst>
           </p:cNvSpPr>
@@ -2937,7 +2937,7 @@
           </a:lstStyle>
           <a:p>
             <a:pPr/>
-            <a:fld id="{3D259A15-5BD0-706C-9E9D-AD39D4D368F8}" type="datetime1">
+            <a:fld id="{3D8E5987-C9D0-DBAF-9E36-3FFA1778686A}" type="datetime1">
               <a:t/>
             </a:fld>
           </a:p>
@@ -2950,7 +2950,7 @@
             <a:spLocks noGrp="1" noChangeArrowheads="1"/>
             <a:extLst>
               <a:ext uri="smNativeData">
-                <pr:smNativeData xmlns:pr="smNativeData" xmlns="smNativeData" val="SMDATA_16_jeCHZxMAAAAlAAAAZAAAAA8BAAAAkAAAAEgAAACQAAAASAAAAAAAAAABAAAAAAAAAAEAAABQAAAAAAAAAAAA4D8AAAAAAADgPwAAAAAAAOA/AAAAAAAA4D8AAAAAAADgPwAAAAAAAOA/AAAAAAAA4D8AAAAAAADgPwAAAAAAAOA/AAAAAAAA4D8CAAAAjAAAAAAAAAAAAAAAu+DjDP///wgAAAAAAAAAAAAAAAAAAAAAAAAAAAAAAAAAAAAAZAAAAAEAAABAAAAAAAAAAAAAAAAAAAAAAAAAAAAAAAAAAAAAAAAAAAAAAAAAAAAAAAAAAAAAAAAAAAAAAAAAAAAAAAAAAAAAAAAAAAAAAAAAAAAAAAAAAAAAAAAAAAAAFAAAADwAAAAAAAAAAAAAAAAAAAkUAAAAAQAAABQAAAAUAAAAFAAAAAEAAAAAAAAAZAAAAGQAAAAAAAAAZAAAAGQAAAAVAAAAYAAAAAAAAAAAAAAADwAAACADAAAAAAAAAAAAAAEAAACgMgAAVgcAAKr4//8BAAAAf39/AAEAAABkAAAAAAAAABQAAABAHwAAAAAAACYAAAAAAAAAwOD//wAAAAAmAAAAZAAAABYAAABMAAAAAAAAAAAAAAAEAAAAAAAAAAEAAACAgIAKAAAAACgAAAAoAAAAZAAAAGQAAAAAAAAAzMzMAAAAAABQAAAAUAAAAGQAAABkAAAAAAAAABcAAAAUAAAAAAAAAAAAAAD/fwAA/38AAAAAAAAJAAAABAAAAAAAAAAeAAAAaAAAAAAAAAAAAAAAAAAAAAAAAAAAAAAAECcAABAnAAAAAAAAAAAAAAAAAAAAAAAAAAAAAAAAAAAAAAAAAAAAABQAAAAAAAAAwMD/AAAAAABkAAAAMgAAAAAAAABkAAAAAAAAAH9/fwAKAAAAIgAAABgAAAAAAAAAAAAAAAAAAAAAAAAAAAAAAAAAAAAkAAAAJAAAAAAAAAAHAAAAAAAAAAAAAAAAAAAAAAAAAAAAAAAAAAAAf39/ACUAAABYAAAAAAAAAAAAAAAAAAAAAAAAAAAAAAAAAAAAAAAAAAAAAAAAAAAAAAAAAAAAAAA/AAAAAAAAAKCGAQAAAAAAAAAAAAAAAAAMAAAAAQAAAAAAAAAAAAAAAAAAAB8AAABUAAAAAAAABQAAAAEAAAAAAAAAAAAAAAAAAAAAAAAAAAAAAAAAAAAAAAAAAAAAAAJ/f38AAAAAA8zMzADAwP8Af39/AAAAAAAAAAAAAAAAAAAAAAAAAAAAIQAAABgAAAAUAAAAoRkAABsnAABfMQAAWSkAABAAAAAmAAAACAAAAP//////////MAAAABQAAAAAAAAAAAD//wAAAQAAAP//AAABAA=="/>
+                <pr:smNativeData xmlns:pr="smNativeData" xmlns="smNativeData" val="SMDATA_16_oViJZxMAAAAlAAAAZAAAAA8BAAAAkAAAAEgAAACQAAAASAAAAAAAAAABAAAAAAAAAAEAAABQAAAAAAAAAAAA4D8AAAAAAADgPwAAAAAAAOA/AAAAAAAA4D8AAAAAAADgPwAAAAAAAOA/AAAAAAAA4D8AAAAAAADgPwAAAAAAAOA/AAAAAAAA4D8CAAAAjAAAAAAAAAAAAAAAu+DjDP///wgAAAAAAAAAAAAAAAAAAAAAAAAAAAAAAAAAAAAAZAAAAAEAAABAAAAAAAAAAAAAAAAAAAAAAAAAAAAAAAAAAAAAAAAAAAAAAAAAAAAAAAAAAAAAAAAAAAAAAAAAAAAAAAAAAAAAAAAAAAAAAAAAAAAAAAAAAAAAAAAAAAAAFAAAADwAAAAAAAAAAAAAAAAAAAkUAAAAAQAAABQAAAAUAAAAFAAAAAEAAAAAAAAAZAAAAGQAAAAAAAAAZAAAAGQAAAAVAAAAYAAAAAAAAAAAAAAADwAAACADAAAAAAAAAAAAAAEAAACgMgAAVgcAAKr4//8BAAAAf39/AAEAAABkAAAAAAAAABQAAABAHwAAAAAAACYAAAAAAAAAwOD//wAAAAAmAAAAZAAAABYAAABMAAAAAAAAAAAAAAAEAAAAAAAAAAEAAACAgIAKAAAAACgAAAAoAAAAZAAAAGQAAAAAAAAAzMzMAAAAAABQAAAAUAAAAGQAAABkAAAAAAAAABcAAAAUAAAAAAAAAAAAAAD/fwAA/38AAAAAAAAJAAAABAAAAAAAAAAeAAAAaAAAAAAAAAAAAAAAAAAAAAAAAAAAAAAAECcAABAnAAAAAAAAAAAAAAAAAAAAAAAAAAAAAAAAAAAAAAAAAAAAABQAAAAAAAAAwMD/AAAAAABkAAAAMgAAAAAAAABkAAAAAAAAAH9/fwAKAAAAIgAAABgAAAAAAAAAAAAAAAAAAAAAAAAAAAAAAAAAAAAkAAAAJAAAAAAAAAAHAAAAAAAAAAAAAAAAAAAAAAAAAAAAAAAAAAAAf39/ACUAAABYAAAAAAAAAAAAAAAAAAAAAAAAAAAAAAAAAAAAAAAAAAAAAAAAAAAAAAAAAAAAAAA/AAAAAAAAAKCGAQAAAAAAAAAAAAAAAAAMAAAAAQAAAAAAAAAAAAAAAAAAAB8AAABUAAAAAAAABQAAAAEAAAAAAAAAAAAAAAAAAAAAAAAAAAAAAAAAAAAAAAAAAAAAAAJ/f38AAAAAA8zMzADAwP8Af39/AAAAAAAAAAAAAAAAAAAAAAAAAAAAIQAAABgAAAAUAAAAoRkAABsnAABfMQAAWSkAABAAAAAmAAAACAAAAP//////////MAAAABQAAAAAAAAAAAD//wAAAQAAAP//AAABAA=="/>
               </a:ext>
             </a:extLst>
           </p:cNvSpPr>
@@ -2995,7 +2995,7 @@
             <a:spLocks noGrp="1" noChangeArrowheads="1"/>
             <a:extLst>
               <a:ext uri="smNativeData">
-                <pr:smNativeData xmlns:pr="smNativeData" xmlns="smNativeData" val="SMDATA_16_jeCHZxMAAAAlAAAAZAAAAA8BAAAAkAAAAEgAAACQAAAASAAAAAAAAAABAAAAAAAAAAEAAABQAAAAAAAAAAAA4D8AAAAAAADgPwAAAAAAAOA/AAAAAAAA4D8AAAAAAADgPwAAAAAAAOA/AAAAAAAA4D8AAAAAAADgPwAAAAAAAOA/AAAAAAAA4D8CAAAAjAAAAAAAAAAAAAAAu+DjDP///wgAAAAAAAAAAAAAAAAAAAAAAAAAAAAAAAAAAAAAZAAAAAEAAABAAAAAAAAAAAAAAAAAAAAAAAAAAAAAAAAAAAAAAAAAAAAAAAAAAAAAAAAAAAAAAAAAAAAAAAAAAAAAAAAAAAAAAAAAAAAAAAAAAAAAAAAAAAAAAAAAAAAAFAAAADwAAAAAAAAAAAAAAAAAAAkUAAAAAQAAABQAAAAUAAAAFAAAAAEAAAAAAAAAZAAAAGQAAAAAAAAAZAAAAGQAAAAVAAAAYAAAAAAAAAAAAAAADwAAACADAAAAAAAAAAAAAAEAAACgMgAAVgcAAKr4//8BAAAAf39/AAEAAABkAAAAAAAAABQAAABAHwAAAAAAACYAAAAAAAAAwOD//wAAAAAmAAAAZAAAABYAAABMAAAAAAAAAAAAAAAEAAAAAAAAAAEAAACAgIAKAAAAACgAAAAoAAAAZAAAAGQAAAAAAAAAzMzMAAAAAABQAAAAUAAAAGQAAABkAAAAAAAAABcAAAAUAAAAAAAAAAAAAAD/fwAA/38AAAAAAAAJAAAABAAAAP////8eAAAAaAAAAAAAAAAAAAAAAAAAAAAAAAAAAAAAECcAABAnAAAAAAAAAAAAAAAAAAAAAAAAAAAAAAAAAAAAAAAAAAAAABQAAAAAAAAAwMD/AAAAAABkAAAAMgAAAAAAAABkAAAAAAAAAH9/fwAKAAAAIgAAABgAAAAAAAAAAAAAAAAAAAAAAAAAAAAAAAAAAAAkAAAAJAAAAAAAAAAHAAAAAAAAAAAAAAAAAAAAAAAAAAAAAAAAAAAAf39/ACUAAABYAAAAAAAAAAAAAAAAAAAAAAAAAAAAAAAAAAAAAAAAAAAAAAAAAAAAAAAAAAAAAAA/AAAAAAAAAKCGAQAAAAAAAAAAAAAAAAAMAAAAAQAAAAAAAAAAAAAAAAAAAB8AAABUAAAAAAAABQAAAAEAAAAAAAAAAAAAAAAAAAAAAAAAAAAAAAAAAAAAAAAAAAAAAAJ/f38AAAAAA8zMzADAwP8Af39/AAAAAAAAAAAAAAAAAAAAAAAAAAAAIQAAABgAAAAUAAAAwTUAABsnAABARwAAWSkAABAAAAAmAAAACAAAAP//////////MAAAABQAAAAAAAAAAAD//wAAAQAAAP//AAABAA=="/>
+                <pr:smNativeData xmlns:pr="smNativeData" xmlns="smNativeData" val="SMDATA_16_oViJZxMAAAAlAAAAZAAAAA8BAAAAkAAAAEgAAACQAAAASAAAAAAAAAABAAAAAAAAAAEAAABQAAAAAAAAAAAA4D8AAAAAAADgPwAAAAAAAOA/AAAAAAAA4D8AAAAAAADgPwAAAAAAAOA/AAAAAAAA4D8AAAAAAADgPwAAAAAAAOA/AAAAAAAA4D8CAAAAjAAAAAAAAAAAAAAAu+DjDP///wgAAAAAAAAAAAAAAAAAAAAAAAAAAAAAAAAAAAAAZAAAAAEAAABAAAAAAAAAAAAAAAAAAAAAAAAAAAAAAAAAAAAAAAAAAAAAAAAAAAAAAAAAAAAAAAAAAAAAAAAAAAAAAAAAAAAAAAAAAAAAAAAAAAAAAAAAAAAAAAAAAAAAFAAAADwAAAAAAAAAAAAAAAAAAAkUAAAAAQAAABQAAAAUAAAAFAAAAAEAAAAAAAAAZAAAAGQAAAAAAAAAZAAAAGQAAAAVAAAAYAAAAAAAAAAAAAAADwAAACADAAAAAAAAAAAAAAEAAACgMgAAVgcAAKr4//8BAAAAf39/AAEAAABkAAAAAAAAABQAAABAHwAAAAAAACYAAAAAAAAAwOD//wAAAAAmAAAAZAAAABYAAABMAAAAAAAAAAAAAAAEAAAAAAAAAAEAAACAgIAKAAAAACgAAAAoAAAAZAAAAGQAAAAAAAAAzMzMAAAAAABQAAAAUAAAAGQAAABkAAAAAAAAABcAAAAUAAAAAAAAAAAAAAD/fwAA/38AAAAAAAAJAAAABAAAAP////8eAAAAaAAAAAAAAAAAAAAAAAAAAAAAAAAAAAAAECcAABAnAAAAAAAAAAAAAAAAAAAAAAAAAAAAAAAAAAAAAAAAAAAAABQAAAAAAAAAwMD/AAAAAABkAAAAMgAAAAAAAABkAAAAAAAAAH9/fwAKAAAAIgAAABgAAAAAAAAAAAAAAAAAAAAAAAAAAAAAAAAAAAAkAAAAJAAAAAAAAAAHAAAAAAAAAAAAAAAAAAAAAAAAAAAAAAAAAAAAf39/ACUAAABYAAAAAAAAAAAAAAAAAAAAAAAAAAAAAAAAAAAAAAAAAAAAAAAAAAAAAAAAAAAAAAA/AAAAAAAAAKCGAQAAAAAAAAAAAAAAAAAMAAAAAQAAAAAAAAAAAAAAAAAAAB8AAABUAAAAAAAABQAAAAEAAAAAAAAAAAAAAAAAAAAAAAAAAAAAAAAAAAAAAAAAAAAAAAJ/f38AAAAAA8zMzADAwP8Af39/AAAAAAAAAAAAAAAAAAAAAAAAAAAAIQAAABgAAAAUAAAAwTUAABsnAABARwAAWSkAABAAAAAmAAAACAAAAP//////////MAAAABQAAAAAAAAAAAD//wAAAQAAAP//AAABAA=="/>
               </a:ext>
             </a:extLst>
           </p:cNvSpPr>
@@ -3030,7 +3030,7 @@
           </a:lstStyle>
           <a:p>
             <a:pPr/>
-            <a:fld id="{3D25C670-3ED0-7030-9E9D-C86588D3689D}" type="slidenum">
+            <a:fld id="{3D8E6F64-2AD0-DB99-9E36-DCCC21786889}" type="slidenum">
               <a:t/>
             </a:fld>
           </a:p>
@@ -3709,7 +3709,7 @@
             <a:spLocks noGrp="1" noChangeArrowheads="1"/>
             <a:extLst>
               <a:ext uri="smNativeData">
-                <pr:smNativeData xmlns:pr="smNativeData" xmlns="smNativeData" val="SMDATA_16_jeCHZxMAAAAlAAAAZAAAAA8BAAAAkAAAAEgAAACQAAAASAAAAAAAAAABAAAAAAAAAAEAAABQAAAAAAAAAAAA4D8AAAAAAADgPwAAAAAAAOA/AAAAAAAA4D8AAAAAAADgPwAAAAAAAOA/AAAAAAAA4D8AAAAAAADgPwAAAAAAAOA/AAAAAAAA4D8CAAAAjAAAAAAAAAAAAAAAu+DjDP///wgAAAAAAAAAAAAAAAAAAAAAAAAAAAAAAAAAAAAAZAAAAAEAAABAAAAAAAAAAAAAAAAAAAAAAAAAAAAAAAAAAAAAAAAAAAAAAAAAAAAAAAAAAAAAAAAAAAAAAAAAAAAAAAAAAAAAAAAAAAAAAAAAAAAAAAAAAAAAAAAAAAAAFAAAADwAAAAAAAAAAAAAAAAAAAkUAAAAAQAAABQAAAAUAAAAFAAAAAEAAAAAAAAAZAAAAGQAAAAAAAAAZAAAAGQAAAAVAAAAYAAAAAAAAAAAAAAADwAAACADAAAAAAAAAAAAAAEAAACgMgAAVgcAAKr4//8BAAAAf39/AAEAAABkAAAAAAAAABQAAABAHwAAAAAAACYAAAAAAAAAwOD//wAAAAAmAAAAZAAAABYAAABMAAAAAAAAAAAAAAAEAAAAAAAAAAEAAACAgIAKAAAAACgAAAAoAAAAZAAAAGQAAAAAAAAAzMzMAAAAAABQAAAAUAAAAGQAAABkAAAAAAAAABcAAAAUAAAAAAAAAAAAAAD/fwAA/38AAAAAAAAJAAAABAAAAAAAAAAeAAAAaAAAAAAAAAAAAAAAAAAAAAAAAAAAAAAAECcAABAnAAAAAAAAAAAAAAAAAAAAAAAAAAAAAAAAAAAAAAAAAAAAABQAAAAAAAAAwMD/AAAAAABkAAAAMgAAAAAAAABkAAAAAAAAAH9/fwAKAAAAIgAAABgAAAAAAAAAAAAAAAAAAAAAAAAAAAAAAAAAAAAkAAAAJAAAAAAAAAAHAAAAAAAAAAAAAAAAAAAAAAAAAAAAAAAAAAAAf39/ACUAAABYAAAAAAAAAAAAAAAAAAAAAAAAAAAAAAAAAAAAAAAAAAAAAAAAAAAAAAAAAAAAAAA/AAAAAAAAAKCGAQAAAAAAAAAAAAAAAAAMAAAAAQAAAAAAAAAAAAAAAAAAAB8AAABUAAAAAAAABQAAAAEAAAAAAAAAAAAAAAAAAAAAAAAAAAAAAAAAAAAAAAAAAAAAAAJ/f38AAAAAA8zMzADAwP8Af39/AAAAAAAAAAAAAAAAAAAAAAAAAAAAIQAAABgAAAAUAAAAwAMAALABAABARwAAuAgAABAAAAAmAAAACAAAAAAAAAAAAAAAMAAAABQAAAAAAAAAAAD//wAAAQAAAP//AAABAA=="/>
+                <pr:smNativeData xmlns:pr="smNativeData" xmlns="smNativeData" val="SMDATA_16_oViJZxMAAAAlAAAAZAAAAA8BAAAAkAAAAEgAAACQAAAASAAAAAAAAAABAAAAAAAAAAEAAABQAAAAAAAAAAAA4D8AAAAAAADgPwAAAAAAAOA/AAAAAAAA4D8AAAAAAADgPwAAAAAAAOA/AAAAAAAA4D8AAAAAAADgPwAAAAAAAOA/AAAAAAAA4D8CAAAAjAAAAAAAAAAAAAAAu+DjDP///wgAAAAAAAAAAAAAAAAAAAAAAAAAAAAAAAAAAAAAZAAAAAEAAABAAAAAAAAAAAAAAAAAAAAAAAAAAAAAAAAAAAAAAAAAAAAAAAAAAAAAAAAAAAAAAAAAAAAAAAAAAAAAAAAAAAAAAAAAAAAAAAAAAAAAAAAAAAAAAAAAAAAAFAAAADwAAAAAAAAAAAAAAAAAAAkUAAAAAQAAABQAAAAUAAAAFAAAAAEAAAAAAAAAZAAAAGQAAAAAAAAAZAAAAGQAAAAVAAAAYAAAAAAAAAAAAAAADwAAACADAAAAAAAAAAAAAAEAAACgMgAAVgcAAKr4//8BAAAAf39/AAEAAABkAAAAAAAAABQAAABAHwAAAAAAACYAAAAAAAAAwOD//wAAAAAmAAAAZAAAABYAAABMAAAAAAAAAAAAAAAEAAAAAAAAAAEAAACAgIAKAAAAACgAAAAoAAAAZAAAAGQAAAAAAAAAzMzMAAAAAABQAAAAUAAAAGQAAABkAAAAAAAAABcAAAAUAAAAAAAAAAAAAAD/fwAA/38AAAAAAAAJAAAABAAAAAAAAAAeAAAAaAAAAAAAAAAAAAAAAAAAAAAAAAAAAAAAECcAABAnAAAAAAAAAAAAAAAAAAAAAAAAAAAAAAAAAAAAAAAAAAAAABQAAAAAAAAAwMD/AAAAAABkAAAAMgAAAAAAAABkAAAAAAAAAH9/fwAKAAAAIgAAABgAAAAAAAAAAAAAAAAAAAAAAAAAAAAAAAAAAAAkAAAAJAAAAAAAAAAHAAAAAAAAAAAAAAAAAAAAAAAAAAAAAAAAAAAAf39/ACUAAABYAAAAAAAAAAAAAAAAAAAAAAAAAAAAAAAAAAAAAAAAAAAAAAAAAAAAAAAAAAAAAAA/AAAAAAAAAKCGAQAAAAAAAAAAAAAAAAAMAAAAAQAAAAAAAAAAAAAAAAAAAB8AAABUAAAAAAAABQAAAAEAAAAAAAAAAAAAAAAAAAAAAAAAAAAAAAAAAAAAAAAAAAAAAAJ/f38AAAAAA8zMzADAwP8Af39/AAAAAAAAAAAAAAAAAAAAAAAAAAAAIQAAABgAAAAUAAAAwAMAALABAABARwAAuAgAABAAAAAmAAAACAAAAAAAAAAAAAAAMAAAABQAAAAAAAAAAAD//wAAAQAAAP//AAABAA=="/>
               </a:ext>
             </a:extLst>
           </p:cNvSpPr>
@@ -3736,7 +3736,7 @@
             <a:spLocks noGrp="1" noChangeArrowheads="1"/>
             <a:extLst>
               <a:ext uri="smNativeData">
-                <pr:smNativeData xmlns:pr="smNativeData" xmlns="smNativeData" val="SMDATA_16_jeCHZxMAAAAlAAAAZAAAAA8BAAAAkAAAAEgAAACQAAAASAAAAAAAAAAAAAAAAAAAAAEAAABQAAAAAAAAAAAA4D8AAAAAAADgPwAAAAAAAOA/AAAAAAAA4D8AAAAAAADgPwAAAAAAAOA/AAAAAAAA4D8AAAAAAADgPwAAAAAAAOA/AAAAAAAA4D8CAAAAjAAAAAAAAAAAAAAAu+DjDP///wgAAAAAAAAAAAAAAAAAAAAAAAAAAAAAAAAAAAAAZAAAAAEAAABAAAAAAAAAAAAAAAAAAAAAAAAAAAAAAAAAAAAAAAAAAAAAAAAAAAAAAAAAAAAAAAAAAAAAAAAAAAAAAAAAAAAAAAAAAAAAAAAAAAAAAAAAAAAAAAAAAAAAFAAAADwAAAAAAAAAAAAAAAAAAAkUAAAAAQAAABQAAAAUAAAAFAAAAAEAAAAAAAAAZAAAAGQAAAAAAAAAZAAAAGQAAAAVAAAAYAAAAAAAAAAAAAAADwAAACADAAAAAAAAAAAAAAEAAACgMgAAVgcAAKr4//8BAAAAf39/AAEAAABkAAAAAAAAABQAAABAHwAAAAAAACYAAAAAAAAAwOD//wAAAAAmAAAAZAAAABYAAABMAAAAAAAAAAAAAAAEAAAAAAAAAAEAAACAgIAKAAAAACgAAAAoAAAAZAAAAGQAAAAAAAAAzMzMAAAAAABQAAAAUAAAAGQAAABkAAAAAAAAABcAAAAUAAAAAAAAAAAAAAD/fwAA/38AAAAAAAAJAAAABAAAAAAAAAAeAAAAaAAAAAAAAAAAAAAAAAAAAAAAAAAAAAAAECcAABAnAAAAAAAAAAAAAAAAAAAAAAAAAAAAAAAAAAAAAAAAAAAAABQAAAAAAAAAwMD/AAAAAABkAAAAMgAAAAAAAABkAAAAAAAAAH9/fwAKAAAAIgAAABgAAAAAAAAAAAAAAAAAAAAAAAAAAAAAAAAAAAAkAAAAJAAAAAAAAAAHAAAAAAAAAAAAAAAAAAAAAAAAAAAAAAAAAAAAf39/ACUAAABYAAAAAAAAAAAAAAAAAAAAAAAAAAAAAAAAAAAAAAAAAAAAAAAAAAAAAAAAAAAAAAA/AAAAAAAAAKCGAQAAAAAAAAAAAAAAAAAMAAAAAQAAAAAAAAAAAAAAAAAAAB8AAABUAAAAAAAABQAAAAEAAAAAAAAAAAAAAAAAAAAAAAAAAAAAAAAAAAAAAAAAAAAAAAJ/f38AAAAAA8zMzADAwP8Af39/AAAAAAAAAAAAAAAAAAAAAAAAAAAAIQAAABgAAAAUAAAAwAMAANgJAABARwAAsCUAABAAAAAmAAAACAAAAAAAAAAAAAAAMAAAABQAAAAAAAAAAAD//wAAAQAAAP//AAABAA=="/>
+                <pr:smNativeData xmlns:pr="smNativeData" xmlns="smNativeData" val="SMDATA_16_oViJZxMAAAAlAAAAZAAAAA8BAAAAkAAAAEgAAACQAAAASAAAAAAAAAAAAAAAAAAAAAEAAABQAAAAAAAAAAAA4D8AAAAAAADgPwAAAAAAAOA/AAAAAAAA4D8AAAAAAADgPwAAAAAAAOA/AAAAAAAA4D8AAAAAAADgPwAAAAAAAOA/AAAAAAAA4D8CAAAAjAAAAAAAAAAAAAAAu+DjDP///wgAAAAAAAAAAAAAAAAAAAAAAAAAAAAAAAAAAAAAZAAAAAEAAABAAAAAAAAAAAAAAAAAAAAAAAAAAAAAAAAAAAAAAAAAAAAAAAAAAAAAAAAAAAAAAAAAAAAAAAAAAAAAAAAAAAAAAAAAAAAAAAAAAAAAAAAAAAAAAAAAAAAAFAAAADwAAAAAAAAAAAAAAAAAAAkUAAAAAQAAABQAAAAUAAAAFAAAAAEAAAAAAAAAZAAAAGQAAAAAAAAAZAAAAGQAAAAVAAAAYAAAAAAAAAAAAAAADwAAACADAAAAAAAAAAAAAAEAAACgMgAAVgcAAKr4//8BAAAAf39/AAEAAABkAAAAAAAAABQAAABAHwAAAAAAACYAAAAAAAAAwOD//wAAAAAmAAAAZAAAABYAAABMAAAAAAAAAAAAAAAEAAAAAAAAAAEAAACAgIAKAAAAACgAAAAoAAAAZAAAAGQAAAAAAAAAzMzMAAAAAABQAAAAUAAAAGQAAABkAAAAAAAAABcAAAAUAAAAAAAAAAAAAAD/fwAA/38AAAAAAAAJAAAABAAAAAAAAAAeAAAAaAAAAAAAAAAAAAAAAAAAAAAAAAAAAAAAECcAABAnAAAAAAAAAAAAAAAAAAAAAAAAAAAAAAAAAAAAAAAAAAAAABQAAAAAAAAAwMD/AAAAAABkAAAAMgAAAAAAAABkAAAAAAAAAH9/fwAKAAAAIgAAABgAAAAAAAAAAAAAAAAAAAAAAAAAAAAAAAAAAAAkAAAAJAAAAAAAAAAHAAAAAAAAAAAAAAAAAAAAAAAAAAAAAAAAAAAAf39/ACUAAABYAAAAAAAAAAAAAAAAAAAAAAAAAAAAAAAAAAAAAAAAAAAAAAAAAAAAAAAAAAAAAAA/AAAAAAAAAKCGAQAAAAAAAAAAAAAAAAAMAAAAAQAAAAAAAAAAAAAAAAAAAB8AAABUAAAAAAAABQAAAAEAAAAAAAAAAAAAAAAAAAAAAAAAAAAAAAAAAAAAAAAAAAAAAAJ/f38AAAAAA8zMzADAwP8Af39/AAAAAAAAAAAAAAAAAAAAAAAAAAAAIQAAABgAAAAUAAAAwAMAANgJAABARwAAsCUAABAAAAAmAAAACAAAAAAAAAAAAAAAMAAAABQAAAAAAAAAAAD//wAAAQAAAP//AAABAA=="/>
               </a:ext>
             </a:extLst>
           </p:cNvSpPr>
@@ -3797,7 +3797,7 @@
             <a:spLocks noGrp="1" noChangeArrowheads="1"/>
             <a:extLst>
               <a:ext uri="smNativeData">
-                <pr:smNativeData xmlns:pr="smNativeData" xmlns="smNativeData" val="SMDATA_16_jeCHZxMAAAAlAAAAZAAAAA8BAAAAkAAAAEgAAACQAAAASAAAAAAAAAABAAAAAAAAAAEAAABQAAAAAAAAAAAA4D8AAAAAAADgPwAAAAAAAOA/AAAAAAAA4D8AAAAAAADgPwAAAAAAAOA/AAAAAAAA4D8AAAAAAADgPwAAAAAAAOA/AAAAAAAA4D8CAAAAjAAAAAAAAAAAAAAAu+DjDP///wgAAAAAAAAAAAAAAAAAAAAAAAAAAAAAAAAAAAAAZAAAAAEAAABAAAAAAAAAAAAAAAAAAAAAAAAAAAAAAAAAAAAAAAAAAAAAAAAAAAAAAAAAAAAAAAAAAAAAAAAAAAAAAAAAAAAAAAAAAAAAAAAAAAAAAAAAAAAAAAAAAAAAFAAAADwAAAAAAAAAAAAAAAAAAAkUAAAAAQAAABQAAAAUAAAAFAAAAAEAAAAAAAAAZAAAAGQAAAAAAAAAZAAAAGQAAAAVAAAAYAAAAAAAAAAAAAAADwAAACADAAAAAAAAAAAAAAEAAACgMgAAVgcAAKr4//8BAAAAf39/AAEAAABkAAAAAAAAABQAAABAHwAAAAAAACYAAAAAAAAAwOD//wAAAAAmAAAAZAAAABYAAABMAAAAAAAAAAAAAAAEAAAAAAAAAAEAAACAgIAKAAAAACgAAAAoAAAAZAAAAGQAAAAAAAAAzMzMAAAAAABQAAAAUAAAAGQAAABkAAAAAAAAABcAAAAUAAAAAAAAAAAAAAD/fwAA/38AAAAAAAAJAAAABAAAAAAAAAAeAAAAaAAAAAAAAAAAAAAAAAAAAAAAAAAAAAAAECcAABAnAAAAAAAAAAAAAAAAAAAAAAAAAAAAAAAAAAAAAAAAAAAAABQAAAAAAAAAwMD/AAAAAABkAAAAMgAAAAAAAABkAAAAAAAAAH9/fwAKAAAAIgAAABgAAAAAAAAAAAAAAAAAAAAAAAAAAAAAAAAAAAAkAAAAJAAAAAAAAAAHAAAAAAAAAAAAAAAAAAAAAAAAAAAAAAAAAAAAf39/ACUAAABYAAAAAAAAAAAAAAAAAAAAAAAAAAAAAAAAAAAAAAAAAAAAAAAAAAAAAAAAAAAAAAA/AAAAAAAAAKCGAQAAAAAAAAAAAAAAAAAMAAAAAQAAAAAAAAAAAAAAAAAAAB8AAABUAAAAAAAABQAAAAEAAAAAAAAAAAAAAAAAAAAAAAAAAAAAAAAAAAAAAAAAAAAAAAJ/f38AAAAAA8zMzADAwP8Af39/AAAAAAAAAAAAAAAAAAAAAAAAAAAAIQAAABgAAAAUAAAAwAMAALABAABARwAAuAgAABAAAAAmAAAACAAAAAAAAAAAAAAAMAAAABQAAAAAAAAAAAD//wAAAQAAAP//AAABAA=="/>
+                <pr:smNativeData xmlns:pr="smNativeData" xmlns="smNativeData" val="SMDATA_16_oViJZxMAAAAlAAAAZAAAAA8BAAAAkAAAAEgAAACQAAAASAAAAAAAAAABAAAAAAAAAAEAAABQAAAAAAAAAAAA4D8AAAAAAADgPwAAAAAAAOA/AAAAAAAA4D8AAAAAAADgPwAAAAAAAOA/AAAAAAAA4D8AAAAAAADgPwAAAAAAAOA/AAAAAAAA4D8CAAAAjAAAAAAAAAAAAAAAu+DjDP///wgAAAAAAAAAAAAAAAAAAAAAAAAAAAAAAAAAAAAAZAAAAAEAAABAAAAAAAAAAAAAAAAAAAAAAAAAAAAAAAAAAAAAAAAAAAAAAAAAAAAAAAAAAAAAAAAAAAAAAAAAAAAAAAAAAAAAAAAAAAAAAAAAAAAAAAAAAAAAAAAAAAAAFAAAADwAAAAAAAAAAAAAAAAAAAkUAAAAAQAAABQAAAAUAAAAFAAAAAEAAAAAAAAAZAAAAGQAAAAAAAAAZAAAAGQAAAAVAAAAYAAAAAAAAAAAAAAADwAAACADAAAAAAAAAAAAAAEAAACgMgAAVgcAAKr4//8BAAAAf39/AAEAAABkAAAAAAAAABQAAABAHwAAAAAAACYAAAAAAAAAwOD//wAAAAAmAAAAZAAAABYAAABMAAAAAAAAAAAAAAAEAAAAAAAAAAEAAACAgIAKAAAAACgAAAAoAAAAZAAAAGQAAAAAAAAAzMzMAAAAAABQAAAAUAAAAGQAAABkAAAAAAAAABcAAAAUAAAAAAAAAAAAAAD/fwAA/38AAAAAAAAJAAAABAAAAAAAAAAeAAAAaAAAAAAAAAAAAAAAAAAAAAAAAAAAAAAAECcAABAnAAAAAAAAAAAAAAAAAAAAAAAAAAAAAAAAAAAAAAAAAAAAABQAAAAAAAAAwMD/AAAAAABkAAAAMgAAAAAAAABkAAAAAAAAAH9/fwAKAAAAIgAAABgAAAAAAAAAAAAAAAAAAAAAAAAAAAAAAAAAAAAkAAAAJAAAAAAAAAAHAAAAAAAAAAAAAAAAAAAAAAAAAAAAAAAAAAAAf39/ACUAAABYAAAAAAAAAAAAAAAAAAAAAAAAAAAAAAAAAAAAAAAAAAAAAAAAAAAAAAAAAAAAAAA/AAAAAAAAAKCGAQAAAAAAAAAAAAAAAAAMAAAAAQAAAAAAAAAAAAAAAAAAAB8AAABUAAAAAAAABQAAAAEAAAAAAAAAAAAAAAAAAAAAAAAAAAAAAAAAAAAAAAAAAAAAAAJ/f38AAAAAA8zMzADAwP8Af39/AAAAAAAAAAAAAAAAAAAAAAAAAAAAIQAAABgAAAAUAAAAwAMAALABAABARwAAuAgAABAAAAAmAAAACAAAAAAAAAAAAAAAMAAAABQAAAAAAAAAAAD//wAAAQAAAP//AAABAA=="/>
               </a:ext>
             </a:extLst>
           </p:cNvSpPr>
@@ -3826,7 +3826,7 @@
             <a:spLocks noGrp="1" noChangeArrowheads="1"/>
             <a:extLst>
               <a:ext uri="smNativeData">
-                <pr:smNativeData xmlns:pr="smNativeData" xmlns="smNativeData" val="SMDATA_16_jeCHZxMAAAAlAAAAZAAAAA8BAAAAkAAAAEgAAACQAAAASAAAAAAAAAAAAAAAAAAAAAEAAABQAAAAAAAAAAAA4D8AAAAAAADgPwAAAAAAAOA/AAAAAAAA4D8AAAAAAADgPwAAAAAAAOA/AAAAAAAA4D8AAAAAAADgPwAAAAAAAOA/AAAAAAAA4D8CAAAAjAAAAAAAAAAAAAAAu+DjDP///wgAAAAAAAAAAAAAAAAAAAAAAAAAAAAAAAAAAAAAZAAAAAEAAABAAAAAAAAAAAAAAAAAAAAAAAAAAAAAAAAAAAAAAAAAAAAAAAAAAAAAAAAAAAAAAAAAAAAAAAAAAAAAAAAAAAAAAAAAAAAAAAAAAAAAAAAAAAAAAAAAAAAAFAAAADwAAAAAAAAAAAAAAAAAAAkUAAAAAQAAABQAAAAUAAAAFAAAAAEAAAAAAAAAZAAAAGQAAAAAAAAAZAAAAGQAAAAVAAAAYAAAAAAAAAAAAAAADwAAACADAAAAAAAAAAAAAAEAAACgMgAAVgcAAKr4//8BAAAAf39/AAEAAABkAAAAAAAAABQAAABAHwAAAAAAACYAAAAAAAAAwOD//wAAAAAmAAAAZAAAABYAAABMAAAAAAAAAAAAAAAEAAAAAAAAAAEAAACAgIAKAAAAACgAAAAoAAAAZAAAAGQAAAAAAAAAzMzMAAAAAABQAAAAUAAAAGQAAABkAAAAAAAAABcAAAAUAAAAAAAAAAAAAAD/fwAA/38AAAAAAAAJAAAABAAAAJQyrcweAAAAaAAAAAAAAAAAAAAAAAAAAAAAAAAAAAAAECcAABAnAAAAAAAAAAAAAAAAAAAAAAAAAAAAAAAAAAAAAAAAAAAAABQAAAAAAAAAwMD/AAAAAABkAAAAMgAAAAAAAABkAAAAAAAAAH9/fwAKAAAAIgAAABgAAAAAAAAAAAAAAAAAAAAAAAAAAAAAAAAAAAAkAAAAJAAAAAAAAAAHAAAAAAAAAAAAAAAAAAAAAAAAAAAAAAAAAAAAf39/ACUAAABYAAAAAAAAAAAAAAAAAAAAAAAAAAAAAAAAAAAAAAAAAAAAAAAAAAAAAAAAAAAAAAA/AAAAAAAAAKCGAQAAAAAAAAAAAAAAAAAMAAAAAQAAAAAAAAAAAAAAAAAAAB8AAABUAAAAAAAABQAAAAEAAAAAAAAAAAAAAAAAAAAAAAAAAAAAAAAAAAAAAAAAAAAAAAJ/f38AAAAAA8zMzADAwP8Af39/AAAAAAAAAAAAAAAAAAAAAAAAAAAAIQAAABgAAAAUAAAAwAMAANgJAABARwAAsCUAABAAAAAmAAAACAAAAAAAAAAAAAAAMAAAABQAAAAAAAAAAAD//wAAAQAAAP//AAABAA=="/>
+                <pr:smNativeData xmlns:pr="smNativeData" xmlns="smNativeData" val="SMDATA_16_oViJZxMAAAAlAAAAZAAAAA8BAAAAkAAAAEgAAACQAAAASAAAAAAAAAAAAAAAAAAAAAEAAABQAAAAAAAAAAAA4D8AAAAAAADgPwAAAAAAAOA/AAAAAAAA4D8AAAAAAADgPwAAAAAAAOA/AAAAAAAA4D8AAAAAAADgPwAAAAAAAOA/AAAAAAAA4D8CAAAAjAAAAAAAAAAAAAAAu+DjDP///wgAAAAAAAAAAAAAAAAAAAAAAAAAAAAAAAAAAAAAZAAAAAEAAABAAAAAAAAAAAAAAAAAAAAAAAAAAAAAAAAAAAAAAAAAAAAAAAAAAAAAAAAAAAAAAAAAAAAAAAAAAAAAAAAAAAAAAAAAAAAAAAAAAAAAAAAAAAAAAAAAAAAAFAAAADwAAAAAAAAAAAAAAAAAAAkUAAAAAQAAABQAAAAUAAAAFAAAAAEAAAAAAAAAZAAAAGQAAAAAAAAAZAAAAGQAAAAVAAAAYAAAAAAAAAAAAAAADwAAACADAAAAAAAAAAAAAAEAAACgMgAAVgcAAKr4//8BAAAAf39/AAEAAABkAAAAAAAAABQAAABAHwAAAAAAACYAAAAAAAAAwOD//wAAAAAmAAAAZAAAABYAAABMAAAAAAAAAAAAAAAEAAAAAAAAAAEAAACAgIAKAAAAACgAAAAoAAAAZAAAAGQAAAAAAAAAzMzMAAAAAABQAAAAUAAAAGQAAABkAAAAAAAAABcAAAAUAAAAAAAAAAAAAAD/fwAA/38AAAAAAAAJAAAABAAAAJQyrcweAAAAaAAAAAAAAAAAAAAAAAAAAAAAAAAAAAAAECcAABAnAAAAAAAAAAAAAAAAAAAAAAAAAAAAAAAAAAAAAAAAAAAAABQAAAAAAAAAwMD/AAAAAABkAAAAMgAAAAAAAABkAAAAAAAAAH9/fwAKAAAAIgAAABgAAAAAAAAAAAAAAAAAAAAAAAAAAAAAAAAAAAAkAAAAJAAAAAAAAAAHAAAAAAAAAAAAAAAAAAAAAAAAAAAAAAAAAAAAf39/ACUAAABYAAAAAAAAAAAAAAAAAAAAAAAAAAAAAAAAAAAAAAAAAAAAAAAAAAAAAAAAAAAAAAA/AAAAAAAAAKCGAQAAAAAAAAAAAAAAAAAMAAAAAQAAAAAAAAAAAAAAAAAAAB8AAABUAAAAAAAABQAAAAEAAAAAAAAAAAAAAAAAAAAAAAAAAAAAAAAAAAAAAAAAAAAAAAJ/f38AAAAAA8zMzADAwP8Af39/AAAAAAAAAAAAAAAAAAAAAAAAAAAAIQAAABgAAAAUAAAAwAMAANgJAABARwAAsCUAABAAAAAmAAAACAAAAAAAAAAAAAAAMAAAABQAAAAAAAAAAAD//wAAAQAAAP//AAABAA=="/>
               </a:ext>
             </a:extLst>
           </p:cNvSpPr>
@@ -3860,7 +3860,7 @@
             <a:picLocks noChangeAspect="1"/>
             <a:extLst>
               <a:ext uri="smNativeData">
-                <pr:smNativeData xmlns:pr="smNativeData" xmlns="smNativeData" val="SMDATA_18_jeCHZxMAAAAlAAAAEQAAAC8BAAAAkAAAAEgAAACQAAAASAAAAAAAAAAAAAAAAAAAAAEAAABQAAAAAAAAAAAA4D8AAAAAAADgPwAAAAAAAOA/AAAAAAAA4D8AAAAAAADgPwAAAAAAAOA/AAAAAAAA4D8AAAAAAADgPwAAAAAAAOA/AAAAAAAA4D8CAAAAjAAAAAAAAAAAAAAAu+DjDP///wgAAAAAAAAAAAAAAAAAAAAAAAAAAAAAAAAAAAAAZAAAAAEAAABAAAAAAAAAAAAAAAAAAAAAAAAAAAAAAAAAAAAAAAAAAAAAAAAAAAAAAAAAAAAAAAAAAAAAAAAAAAAAAAAAAAAAAAAAAAAAAAAAAAAAAAAAAAAAAAAAAAAAFAAAADwAAAAAAAAAAAAAAAAAAAkUAAAAAQAAABQAAAAUAAAAFAAAAAEAAAAAAAAAZAAAAGQAAAAAAAAAZAAAAGQAAAAVAAAAYAAAAAAAAAAAAAAADwAAACADAAAAAAAAAAAAAAEAAACgMgAAVgcAAKr4//8BAAAAf39/AAEAAABkAAAAAAAAABQAAABAHwAAAAAAACYAAAAAAAAAwOD//wAAAAAmAAAAZAAAABYAAABMAAAAAAAAAAAAAAAEAAAAAAAAAAEAAACAgIAKAAAAACgAAAAoAAAAZAAAAGQAAAAAAAAAzMzMAAAAAABQAAAAUAAAAGQAAABkAAAAAAAAAAcAAAA4AAAAAAAAAAAAAAAAAAAA////AAAAAAAAAAAAAAAAAAAAAAAAAAAAAAAAAAAAAABkAAAAZAAAAAAAAAAjAAAABAAAAGQAAAAXAAAAFAAAAAAAAAAAAAAA/38AAP9/AAAAAAAACQAAAAQAAABlAAAAHgAAAGgAAAAAAAAAAAAAAAAAAAAAAAAAAAAAABAnAAAQJwAAAAAAAAAAAAAAAAAAAAAAAAAAAAAAAAAAAAAAAAAAAAAUAAAAAAAAAMDA/wAAAAAAZAAAADIAAAAAAAAAZAAAAAAAAAB/f38ACgAAACIAAAAYAAAAAAAAAAAAAAAAAAAAAAAAAAAAAAAAAAAAJAAAACQAAAAAAAAABwAAAAAAAAAAAAAAAAAAAAAAAAAAAAAAAAAAAH9/fwAlAAAAWAAAAAAAAAAAAAAAAAAAAAAAAAAAAAAAAAAAAAAAAAAAAAAAAAAAAAAAAAAAAAAAPwAAAAAAAACghgEAAAAAAAAAAAAAAAAADAAAAAEAAAAAAAAAAAAAAAAAAAAfAAAAVAAAALvg4wX///8BAAAAAAAAAAAAAAAAAAAAAAAAAAAAAAAAAAAAAAAAAAAAAAACf39/AICAgAPMzMwAwMD/AH9/fwAAAAAAAAAAAAAAAAD///8AAAAAACEAAAAYAAAAFAAAAMADAABHGAAAdEUAAG4iAAAQAAAAJgAAAAgAAAD//////////zAAAAAUAAAAAAAAAAAA//8AAAEAAAD//wAAAQA="/>
+                <pr:smNativeData xmlns:pr="smNativeData" xmlns="smNativeData" val="SMDATA_18_oViJZxMAAAAlAAAAEQAAAC8BAAAAkAAAAEgAAACQAAAASAAAAAAAAAAAAAAAAAAAAAEAAABQAAAAAAAAAAAA4D8AAAAAAADgPwAAAAAAAOA/AAAAAAAA4D8AAAAAAADgPwAAAAAAAOA/AAAAAAAA4D8AAAAAAADgPwAAAAAAAOA/AAAAAAAA4D8CAAAAjAAAAAAAAAAAAAAAu+DjDP///wgAAAAAAAAAAAAAAAAAAAAAAAAAAAAAAAAAAAAAZAAAAAEAAABAAAAAAAAAAAAAAAAAAAAAAAAAAAAAAAAAAAAAAAAAAAAAAAAAAAAAAAAAAAAAAAAAAAAAAAAAAAAAAAAAAAAAAAAAAAAAAAAAAAAAAAAAAAAAAAAAAAAAFAAAADwAAAAAAAAAAAAAAAAAAAkUAAAAAQAAABQAAAAUAAAAFAAAAAEAAAAAAAAAZAAAAGQAAAAAAAAAZAAAAGQAAAAVAAAAYAAAAAAAAAAAAAAADwAAACADAAAAAAAAAAAAAAEAAACgMgAAVgcAAKr4//8BAAAAf39/AAEAAABkAAAAAAAAABQAAABAHwAAAAAAACYAAAAAAAAAwOD//wAAAAAmAAAAZAAAABYAAABMAAAAAAAAAAAAAAAEAAAAAAAAAAEAAACAgIAKAAAAACgAAAAoAAAAZAAAAGQAAAAAAAAAzMzMAAAAAABQAAAAUAAAAGQAAABkAAAAAAAAAAcAAAA4AAAAAAAAAAAAAAAAAAAA////AAAAAAAAAAAAAAAAAAAAAAAAAAAAAAAAAAAAAABkAAAAZAAAAAAAAAAjAAAABAAAAGQAAAAXAAAAFAAAAAAAAAAAAAAA/38AAP9/AAAAAAAACQAAAAQAAABlAAAAHgAAAGgAAAAAAAAAAAAAAAAAAAAAAAAAAAAAABAnAAAQJwAAAAAAAAAAAAAAAAAAAAAAAAAAAAAAAAAAAAAAAAAAAAAUAAAAAAAAAMDA/wAAAAAAZAAAADIAAAAAAAAAZAAAAAAAAAB/f38ACgAAACIAAAAYAAAAAAAAAAAAAAAAAAAAAAAAAAAAAAAAAAAAJAAAACQAAAAAAAAABwAAAAAAAAAAAAAAAAAAAAAAAAAAAAAAAAAAAH9/fwAlAAAAWAAAAAAAAAAAAAAAAAAAAAAAAAAAAAAAAAAAAAAAAAAAAAAAAAAAAAAAAAAAAAAAPwAAAAAAAACghgEAAAAAAAAAAAAAAAAADAAAAAEAAAAAAAAAAAAAAAAAAAAfAAAAVAAAALvg4wX///8BAAAAAAAAAAAAAAAAAAAAAAAAAAAAAAAAAAAAAAAAAAAAAAACf39/AICAgAPMzMwAwMD/AH9/fwAAAAAAAAAAAAAAAAD///8AAAAAACEAAAAYAAAAFAAAAMADAABHGAAAdEUAAG4iAAAQAAAAJgAAAAgAAAD//////////zAAAAAUAAAAAAAAAAAA//8AAAEAAAD//wAAAQA="/>
               </a:ext>
             </a:extLst>
           </p:cNvPicPr>
@@ -3926,7 +3926,7 @@
             <a:spLocks noGrp="1" noChangeArrowheads="1"/>
             <a:extLst>
               <a:ext uri="smNativeData">
-                <pr:smNativeData xmlns:pr="smNativeData" xmlns="smNativeData" val="SMDATA_16_jeCHZxMAAAAlAAAAZAAAAA8BAAAAkAAAAEgAAACQAAAASAAAAAAAAAABAAAAAAAAAAEAAABQAAAAAAAAAAAA4D8AAAAAAADgPwAAAAAAAOA/AAAAAAAA4D8AAAAAAADgPwAAAAAAAOA/AAAAAAAA4D8AAAAAAADgPwAAAAAAAOA/AAAAAAAA4D8CAAAAjAAAAAAAAAAAAAAAu+DjDP///wgAAAAAAAAAAAAAAAAAAAAAAAAAAAAAAAAAAAAAZAAAAAEAAABAAAAAAAAAAAAAAAAAAAAAAAAAAAAAAAAAAAAAAAAAAAAAAAAAAAAAAAAAAAAAAAAAAAAAAAAAAAAAAAAAAAAAAAAAAAAAAAAAAAAAAAAAAAAAAAAAAAAAFAAAADwAAAAAAAAAAAAAAAAAAAkUAAAAAQAAABQAAAAUAAAAFAAAAAEAAAAAAAAAZAAAAGQAAAAAAAAAZAAAAGQAAAAVAAAAYAAAAAAAAAAAAAAADwAAACADAAAAAAAAAAAAAAEAAACgMgAAVgcAAKr4//8BAAAAf39/AAEAAABkAAAAAAAAABQAAABAHwAAAAAAACYAAAAAAAAAwOD//wAAAAAmAAAAZAAAABYAAABMAAAAAAAAAAAAAAAEAAAAAAAAAAEAAACAgIAKAAAAACgAAAAoAAAAZAAAAGQAAAAAAAAAzMzMAAAAAABQAAAAUAAAAGQAAABkAAAAAAAAABcAAAAUAAAAAAAAAAAAAAD/fwAA/38AAAAAAAAJAAAABAAAAO8CAAAeAAAAaAAAAAAAAAAAAAAAAAAAAAAAAAAAAAAAECcAABAnAAAAAAAAAAAAAAAAAAAAAAAAAAAAAAAAAAAAAAAAAAAAABQAAAAAAAAAwMD/AAAAAABkAAAAMgAAAAAAAABkAAAAAAAAAH9/fwAKAAAAIgAAABgAAAAAAAAAAAAAAAAAAAAAAAAAAAAAAAAAAAAkAAAAJAAAAAAAAAAHAAAAAAAAAAAAAAAAAAAAAAAAAAAAAAAAAAAAf39/ACUAAABYAAAAAAAAAAAAAAAAAAAAAAAAAAAAAAAAAAAAAAAAAAAAAAAAAAAAAAAAAAAAAAA/AAAAAAAAAKCGAQAAAAAAAAAAAAAAAAAMAAAAAQAAAAAAAAAAAAAAAAAAAB8AAABUAAAAAAAABQAAAAEAAAAAAAAAAAAAAAAAAAAAAAAAAAAAAAAAAAAAAAAAAAAAAAJ/f38AAAAAA8zMzADAwP8Af39/AAAAAAAAAAAAAAAAAAAAAAAAAAAAIQAAABgAAAAUAAAAwAMAALABAABARwAAuAgAABAAAAAmAAAACAAAAAAAAAAAAAAAMAAAABQAAAAAAAAAAAD//wAAAQAAAP//AAABAA=="/>
+                <pr:smNativeData xmlns:pr="smNativeData" xmlns="smNativeData" val="SMDATA_16_oViJZxMAAAAlAAAAZAAAAA8BAAAAkAAAAEgAAACQAAAASAAAAAAAAAABAAAAAAAAAAEAAABQAAAAAAAAAAAA4D8AAAAAAADgPwAAAAAAAOA/AAAAAAAA4D8AAAAAAADgPwAAAAAAAOA/AAAAAAAA4D8AAAAAAADgPwAAAAAAAOA/AAAAAAAA4D8CAAAAjAAAAAAAAAAAAAAAu+DjDP///wgAAAAAAAAAAAAAAAAAAAAAAAAAAAAAAAAAAAAAZAAAAAEAAABAAAAAAAAAAAAAAAAAAAAAAAAAAAAAAAAAAAAAAAAAAAAAAAAAAAAAAAAAAAAAAAAAAAAAAAAAAAAAAAAAAAAAAAAAAAAAAAAAAAAAAAAAAAAAAAAAAAAAFAAAADwAAAAAAAAAAAAAAAAAAAkUAAAAAQAAABQAAAAUAAAAFAAAAAEAAAAAAAAAZAAAAGQAAAAAAAAAZAAAAGQAAAAVAAAAYAAAAAAAAAAAAAAADwAAACADAAAAAAAAAAAAAAEAAACgMgAAVgcAAKr4//8BAAAAf39/AAEAAABkAAAAAAAAABQAAABAHwAAAAAAACYAAAAAAAAAwOD//wAAAAAmAAAAZAAAABYAAABMAAAAAAAAAAAAAAAEAAAAAAAAAAEAAACAgIAKAAAAACgAAAAoAAAAZAAAAGQAAAAAAAAAzMzMAAAAAABQAAAAUAAAAGQAAABkAAAAAAAAABcAAAAUAAAAAAAAAAAAAAD/fwAA/38AAAAAAAAJAAAABAAAAO8CAAAeAAAAaAAAAAAAAAAAAAAAAAAAAAAAAAAAAAAAECcAABAnAAAAAAAAAAAAAAAAAAAAAAAAAAAAAAAAAAAAAAAAAAAAABQAAAAAAAAAwMD/AAAAAABkAAAAMgAAAAAAAABkAAAAAAAAAH9/fwAKAAAAIgAAABgAAAAAAAAAAAAAAAAAAAAAAAAAAAAAAAAAAAAkAAAAJAAAAAAAAAAHAAAAAAAAAAAAAAAAAAAAAAAAAAAAAAAAAAAAf39/ACUAAABYAAAAAAAAAAAAAAAAAAAAAAAAAAAAAAAAAAAAAAAAAAAAAAAAAAAAAAAAAAAAAAA/AAAAAAAAAKCGAQAAAAAAAAAAAAAAAAAMAAAAAQAAAAAAAAAAAAAAAAAAAB8AAABUAAAAAAAABQAAAAEAAAAAAAAAAAAAAAAAAAAAAAAAAAAAAAAAAAAAAAAAAAAAAAJ/f38AAAAAA8zMzADAwP8Af39/AAAAAAAAAAAAAAAAAAAAAAAAAAAAIQAAABgAAAAUAAAAwAMAALABAABARwAAuAgAABAAAAAmAAAACAAAAAAAAAAAAAAAMAAAABQAAAAAAAAAAAD//wAAAQAAAP//AAABAA=="/>
               </a:ext>
             </a:extLst>
           </p:cNvSpPr>
@@ -3953,7 +3953,7 @@
             <a:spLocks noGrp="1" noChangeArrowheads="1"/>
             <a:extLst>
               <a:ext uri="smNativeData">
-                <pr:smNativeData xmlns:pr="smNativeData" xmlns="smNativeData" val="SMDATA_16_jeCHZxMAAAAlAAAAZAAAAA8BAAAAkAAAAEgAAACQAAAASAAAAAAAAAAAAAAAAAAAAAEAAABQAAAAAAAAAAAA4D8AAAAAAADgPwAAAAAAAOA/AAAAAAAA4D8AAAAAAADgPwAAAAAAAOA/AAAAAAAA4D8AAAAAAADgPwAAAAAAAOA/AAAAAAAA4D8CAAAAjAAAAAAAAAAAAAAAu+DjDP///wgAAAAAAAAAAAAAAAAAAAAAAAAAAAAAAAAAAAAAZAAAAAEAAABAAAAAAAAAAAAAAAAAAAAAAAAAAAAAAAAAAAAAAAAAAAAAAAAAAAAAAAAAAAAAAAAAAAAAAAAAAAAAAAAAAAAAAAAAAAAAAAAAAAAAAAAAAAAAAAAAAAAAFAAAADwAAAAAAAAAAAAAAAAAAAkUAAAAAQAAABQAAAAUAAAAFAAAAAEAAAAAAAAAZAAAAGQAAAAAAAAAZAAAAGQAAAAVAAAAYAAAAAAAAAAAAAAADwAAACADAAAAAAAAAAAAAAEAAACgMgAAVgcAAKr4//8BAAAAf39/AAEAAABkAAAAAAAAABQAAABAHwAAAAAAACYAAAAAAAAAwOD//wAAAAAmAAAAZAAAABYAAABMAAAAAAAAAAAAAAAEAAAAAAAAAAEAAACAgIAKAAAAACgAAAAoAAAAZAAAAGQAAAAAAAAAzMzMAAAAAABQAAAAUAAAAGQAAABkAAAAAAAAABcAAAAUAAAAAAAAAAAAAAD/fwAA/38AAAAAAAAJAAAABAAAAGICAAAeAAAAaAAAAAAAAAAAAAAAAAAAAAAAAAAAAAAAECcAABAnAAAAAAAAAAAAAAAAAAAAAAAAAAAAAAAAAAAAAAAAAAAAABQAAAAAAAAAwMD/AAAAAABkAAAAMgAAAAAAAABkAAAAAAAAAH9/fwAKAAAAIgAAABgAAAAAAAAAAAAAAAAAAAAAAAAAAAAAAAAAAAAkAAAAJAAAAAAAAAAHAAAAAAAAAAAAAAAAAAAAAAAAAAAAAAAAAAAAf39/ACUAAABYAAAAAAAAAAAAAAAAAAAAAAAAAAAAAAAAAAAAAAAAAAAAAAAAAAAAAAAAAAAAAAA/AAAAAAAAAKCGAQAAAAAAAAAAAAAAAAAMAAAAAQAAAAAAAAAAAAAAAAAAAB8AAABUAAAAAAAABQAAAAEAAAAAAAAAAAAAAAAAAAAAAAAAAAAAAAAAAAAAAAAAAAAAAAJ/f38AAAAAA8zMzADAwP8Af39/AAAAAAAAAAAAAAAAAAAAAAAAAAAAIQAAABgAAAAUAAAAwAMAANgJAABARwAAsCUAABAAAAAmAAAACAAAAAAAAAAAAAAAMAAAABQAAAAAAAAAAAD//wAAAQAAAP//AAABAA=="/>
+                <pr:smNativeData xmlns:pr="smNativeData" xmlns="smNativeData" val="SMDATA_16_oViJZxMAAAAlAAAAZAAAAA8BAAAAkAAAAEgAAACQAAAASAAAAAAAAAAAAAAAAAAAAAEAAABQAAAAAAAAAAAA4D8AAAAAAADgPwAAAAAAAOA/AAAAAAAA4D8AAAAAAADgPwAAAAAAAOA/AAAAAAAA4D8AAAAAAADgPwAAAAAAAOA/AAAAAAAA4D8CAAAAjAAAAAAAAAAAAAAAu+DjDP///wgAAAAAAAAAAAAAAAAAAAAAAAAAAAAAAAAAAAAAZAAAAAEAAABAAAAAAAAAAAAAAAAAAAAAAAAAAAAAAAAAAAAAAAAAAAAAAAAAAAAAAAAAAAAAAAAAAAAAAAAAAAAAAAAAAAAAAAAAAAAAAAAAAAAAAAAAAAAAAAAAAAAAFAAAADwAAAAAAAAAAAAAAAAAAAkUAAAAAQAAABQAAAAUAAAAFAAAAAEAAAAAAAAAZAAAAGQAAAAAAAAAZAAAAGQAAAAVAAAAYAAAAAAAAAAAAAAADwAAACADAAAAAAAAAAAAAAEAAACgMgAAVgcAAKr4//8BAAAAf39/AAEAAABkAAAAAAAAABQAAABAHwAAAAAAACYAAAAAAAAAwOD//wAAAAAmAAAAZAAAABYAAABMAAAAAAAAAAAAAAAEAAAAAAAAAAEAAACAgIAKAAAAACgAAAAoAAAAZAAAAGQAAAAAAAAAzMzMAAAAAABQAAAAUAAAAGQAAABkAAAAAAAAABcAAAAUAAAAAAAAAAAAAAD/fwAA/38AAAAAAAAJAAAABAAAAGICAAAeAAAAaAAAAAAAAAAAAAAAAAAAAAAAAAAAAAAAECcAABAnAAAAAAAAAAAAAAAAAAAAAAAAAAAAAAAAAAAAAAAAAAAAABQAAAAAAAAAwMD/AAAAAABkAAAAMgAAAAAAAABkAAAAAAAAAH9/fwAKAAAAIgAAABgAAAAAAAAAAAAAAAAAAAAAAAAAAAAAAAAAAAAkAAAAJAAAAAAAAAAHAAAAAAAAAAAAAAAAAAAAAAAAAAAAAAAAAAAAf39/ACUAAABYAAAAAAAAAAAAAAAAAAAAAAAAAAAAAAAAAAAAAAAAAAAAAAAAAAAAAAAAAAAAAAA/AAAAAAAAAKCGAQAAAAAAAAAAAAAAAAAMAAAAAQAAAAAAAAAAAAAAAAAAAB8AAABUAAAAAAAABQAAAAEAAAAAAAAAAAAAAAAAAAAAAAAAAAAAAAAAAAAAAAAAAAAAAAJ/f38AAAAAA8zMzADAwP8Af39/AAAAAAAAAAAAAAAAAAAAAAAAAAAAIQAAABgAAAAUAAAAwAMAANgJAABARwAAsCUAABAAAAAmAAAACAAAAAAAAAAAAAAAMAAAABQAAAAAAAAAAAD//wAAAQAAAP//AAABAA=="/>
               </a:ext>
             </a:extLst>
           </p:cNvSpPr>
@@ -4012,7 +4012,7 @@
             <a:picLocks noChangeAspect="1"/>
             <a:extLst>
               <a:ext uri="smNativeData">
-                <pr:smNativeData xmlns:pr="smNativeData" xmlns="smNativeData" val="SMDATA_18_jeCHZxMAAAAlAAAAEQAAAC8BAAAAkAAAAEgAAACQAAAASAAAAAAAAAAAAAAAAAAAAAEAAABQAAAAAAAAAAAA4D8AAAAAAADgPwAAAAAAAOA/AAAAAAAA4D8AAAAAAADgPwAAAAAAAOA/AAAAAAAA4D8AAAAAAADgPwAAAAAAAOA/AAAAAAAA4D8CAAAAjAAAAAAAAAAAAAAAu+DjDP///wgAAAAAAAAAAAAAAAAAAAAAAAAAAAAAAAAAAAAAZAAAAAEAAABAAAAAAAAAAAAAAAAAAAAAAAAAAAAAAAAAAAAAAAAAAAAAAAAAAAAAAAAAAAAAAAAAAAAAAAAAAAAAAAAAAAAAAAAAAAAAAAAAAAAAAAAAAAAAAAAAAAAAFAAAADwAAAAAAAAAAAAAAAAAAAkUAAAAAQAAABQAAAAUAAAAFAAAAAEAAAAAAAAAZAAAAGQAAAAAAAAAZAAAAGQAAAAVAAAAYAAAAAAAAAAAAAAADwAAACADAAAAAAAAAAAAAAEAAACgMgAAVgcAAKr4//8BAAAAf39/AAEAAABkAAAAAAAAABQAAABAHwAAAAAAACYAAAAAAAAAwOD//wAAAAAmAAAAZAAAABYAAABMAAAAAAAAAAAAAAAEAAAAAAAAAAEAAACAgIAKAAAAACgAAAAoAAAAZAAAAGQAAAAAAAAAzMzMAAAAAABQAAAAUAAAAGQAAABkAAAAAAAAAAcAAAA4AAAAAAAAAAAAAAAAAAAA////AAAAAAAAAAAAAAAAAAAAAAAAAAAAAAAAAAAAAABkAAAAZAAAAAAAAAAjAAAABAAAAGQAAAAXAAAAFAAAAAAAAAAAAAAA/38AAP9/AAAAAAAACQAAAAQAAAAAAAAAHgAAAGgAAAAAAAAAAAAAAAAAAAAAAAAAAAAAABAnAAAQJwAAAAAAAAAAAAAAAAAAAAAAAAAAAAAAAAAAAAAAAAAAAAAUAAAAAAAAAMDA/wAAAAAAZAAAADIAAAAAAAAAZAAAAAAAAAB/f38ACgAAACIAAAAYAAAAAAAAAAAAAAAAAAAAAAAAAAAAAAAAAAAAJAAAACQAAAAAAAAABwAAAAAAAAAAAAAAAAAAAAAAAAAAAAAAAAAAAH9/fwAlAAAAWAAAAAAAAAAAAAAAAAAAAAAAAAAAAAAAAAAAAAAAAAAAAAAAAAAAAAAAAAAAAAAAPwAAAAAAAACghgEAAAAAAAAAAAAAAAAADAAAAAEAAAAAAAAAAAAAAAAAAAAfAAAAVAAAALvg4wX///8BAAAAAAAAAAAAAAAAAAAAAAAAAAAAAAAAAAAAAAAAAAAAAAACf39/AICAgAPMzMwAwMD/AH9/fwAAAAAAAAAAAAAAAAD///8AAAAAACEAAAAYAAAAFAAAAMADAAD0IAAAmCsAALAlAAAQAAAAJgAAAAgAAAD//////////zAAAAAUAAAAAAAAAAAA//8AAAEAAAD//wAAAQA="/>
+                <pr:smNativeData xmlns:pr="smNativeData" xmlns="smNativeData" val="SMDATA_18_oViJZxMAAAAlAAAAEQAAAC8BAAAAkAAAAEgAAACQAAAASAAAAAAAAAAAAAAAAAAAAAEAAABQAAAAAAAAAAAA4D8AAAAAAADgPwAAAAAAAOA/AAAAAAAA4D8AAAAAAADgPwAAAAAAAOA/AAAAAAAA4D8AAAAAAADgPwAAAAAAAOA/AAAAAAAA4D8CAAAAjAAAAAAAAAAAAAAAu+DjDP///wgAAAAAAAAAAAAAAAAAAAAAAAAAAAAAAAAAAAAAZAAAAAEAAABAAAAAAAAAAAAAAAAAAAAAAAAAAAAAAAAAAAAAAAAAAAAAAAAAAAAAAAAAAAAAAAAAAAAAAAAAAAAAAAAAAAAAAAAAAAAAAAAAAAAAAAAAAAAAAAAAAAAAFAAAADwAAAAAAAAAAAAAAAAAAAkUAAAAAQAAABQAAAAUAAAAFAAAAAEAAAAAAAAAZAAAAGQAAAAAAAAAZAAAAGQAAAAVAAAAYAAAAAAAAAAAAAAADwAAACADAAAAAAAAAAAAAAEAAACgMgAAVgcAAKr4//8BAAAAf39/AAEAAABkAAAAAAAAABQAAABAHwAAAAAAACYAAAAAAAAAwOD//wAAAAAmAAAAZAAAABYAAABMAAAAAAAAAAAAAAAEAAAAAAAAAAEAAACAgIAKAAAAACgAAAAoAAAAZAAAAGQAAAAAAAAAzMzMAAAAAABQAAAAUAAAAGQAAABkAAAAAAAAAAcAAAA4AAAAAAAAAAAAAAAAAAAA////AAAAAAAAAAAAAAAAAAAAAAAAAAAAAAAAAAAAAABkAAAAZAAAAAAAAAAjAAAABAAAAGQAAAAXAAAAFAAAAAAAAAAAAAAA/38AAP9/AAAAAAAACQAAAAQAAAAAAAAAHgAAAGgAAAAAAAAAAAAAAAAAAAAAAAAAAAAAABAnAAAQJwAAAAAAAAAAAAAAAAAAAAAAAAAAAAAAAAAAAAAAAAAAAAAUAAAAAAAAAMDA/wAAAAAAZAAAADIAAAAAAAAAZAAAAAAAAAB/f38ACgAAACIAAAAYAAAAAAAAAAAAAAAAAAAAAAAAAAAAAAAAAAAAJAAAACQAAAAAAAAABwAAAAAAAAAAAAAAAAAAAAAAAAAAAAAAAAAAAH9/fwAlAAAAWAAAAAAAAAAAAAAAAAAAAAAAAAAAAAAAAAAAAAAAAAAAAAAAAAAAAAAAAAAAAAAAPwAAAAAAAACghgEAAAAAAAAAAAAAAAAADAAAAAEAAAAAAAAAAAAAAAAAAAAfAAAAVAAAALvg4wX///8BAAAAAAAAAAAAAAAAAAAAAAAAAAAAAAAAAAAAAAAAAAAAAAACf39/AICAgAPMzMwAwMD/AH9/fwAAAAAAAAAAAAAAAAD///8AAAAAACEAAAAYAAAAFAAAAMADAAD0IAAAmCsAALAlAAAQAAAAJgAAAAgAAAD//////////zAAAAAUAAAAAAAAAAAA//8AAAEAAAD//wAAAQA="/>
               </a:ext>
             </a:extLst>
           </p:cNvPicPr>
@@ -4078,7 +4078,7 @@
             <a:spLocks noGrp="1" noChangeArrowheads="1"/>
             <a:extLst>
               <a:ext uri="smNativeData">
-                <pr:smNativeData xmlns:pr="smNativeData" xmlns="smNativeData" val="SMDATA_16_jeCHZxMAAAAlAAAAZAAAAA8BAAAAkAAAAEgAAACQAAAASAAAAAAAAAABAAAAAAAAAAEAAABQAAAAAAAAAAAA4D8AAAAAAADgPwAAAAAAAOA/AAAAAAAA4D8AAAAAAADgPwAAAAAAAOA/AAAAAAAA4D8AAAAAAADgPwAAAAAAAOA/AAAAAAAA4D8CAAAAjAAAAAAAAAAAAAAAu+DjDP///wgAAAAAAAAAAAAAAAAAAAAAAAAAAAAAAAAAAAAAZAAAAAEAAABAAAAAAAAAAAAAAAAAAAAAAAAAAAAAAAAAAAAAAAAAAAAAAAAAAAAAAAAAAAAAAAAAAAAAAAAAAAAAAAAAAAAAAAAAAAAAAAAAAAAAAAAAAAAAAAAAAAAAFAAAADwAAAAAAAAAAAAAAAAAAAkUAAAAAQAAABQAAAAUAAAAFAAAAAEAAAAAAAAAZAAAAGQAAAAAAAAAZAAAAGQAAAAVAAAAYAAAAAAAAAAAAAAADwAAACADAAAAAAAAAAAAAAEAAACgMgAAVgcAAKr4//8BAAAAf39/AAEAAABkAAAAAAAAABQAAABAHwAAAAAAACYAAAAAAAAAwOD//wAAAAAmAAAAZAAAABYAAABMAAAAAAAAAAAAAAAEAAAAAAAAAAEAAACAgIAKAAAAACgAAAAoAAAAZAAAAGQAAAAAAAAAzMzMAAAAAABQAAAAUAAAAGQAAABkAAAAAAAAABcAAAAUAAAAAAAAAAAAAAD/fwAA/38AAAAAAAAJAAAABAAAAGICAAAeAAAAaAAAAAAAAAAAAAAAAAAAAAAAAAAAAAAAECcAABAnAAAAAAAAAAAAAAAAAAAAAAAAAAAAAAAAAAAAAAAAAAAAABQAAAAAAAAAwMD/AAAAAABkAAAAMgAAAAAAAABkAAAAAAAAAH9/fwAKAAAAIgAAABgAAAAAAAAAAAAAAAAAAAAAAAAAAAAAAAAAAAAkAAAAJAAAAAAAAAAHAAAAAAAAAAAAAAAAAAAAAAAAAAAAAAAAAAAAf39/ACUAAABYAAAAAAAAAAAAAAAAAAAAAAAAAAAAAAAAAAAAAAAAAAAAAAAAAAAAAAAAAAAAAAA/AAAAAAAAAKCGAQAAAAAAAAAAAAAAAAAMAAAAAQAAAAAAAAAAAAAAAAAAAB8AAABUAAAAAAAABQAAAAEAAAAAAAAAAAAAAAAAAAAAAAAAAAAAAAAAAAAAAAAAAAAAAAJ/f38AAAAAA8zMzADAwP8Af39/AAAAAAAAAAAAAAAAAAAAAAAAAAAAIQAAABgAAAAUAAAAwAMAALABAABARwAAuAgAAAAAAAAmAAAACAAAAAEAAAAAAAAAMAAAABQAAAAAAAAAAAD//wAAAQAAAP//AAABAA=="/>
+                <pr:smNativeData xmlns:pr="smNativeData" xmlns="smNativeData" val="SMDATA_16_oViJZxMAAAAlAAAAZAAAAA8BAAAAkAAAAEgAAACQAAAASAAAAAAAAAABAAAAAAAAAAEAAABQAAAAAAAAAAAA4D8AAAAAAADgPwAAAAAAAOA/AAAAAAAA4D8AAAAAAADgPwAAAAAAAOA/AAAAAAAA4D8AAAAAAADgPwAAAAAAAOA/AAAAAAAA4D8CAAAAjAAAAAAAAAAAAAAAu+DjDP///wgAAAAAAAAAAAAAAAAAAAAAAAAAAAAAAAAAAAAAZAAAAAEAAABAAAAAAAAAAAAAAAAAAAAAAAAAAAAAAAAAAAAAAAAAAAAAAAAAAAAAAAAAAAAAAAAAAAAAAAAAAAAAAAAAAAAAAAAAAAAAAAAAAAAAAAAAAAAAAAAAAAAAFAAAADwAAAAAAAAAAAAAAAAAAAkUAAAAAQAAABQAAAAUAAAAFAAAAAEAAAAAAAAAZAAAAGQAAAAAAAAAZAAAAGQAAAAVAAAAYAAAAAAAAAAAAAAADwAAACADAAAAAAAAAAAAAAEAAACgMgAAVgcAAKr4//8BAAAAf39/AAEAAABkAAAAAAAAABQAAABAHwAAAAAAACYAAAAAAAAAwOD//wAAAAAmAAAAZAAAABYAAABMAAAAAAAAAAAAAAAEAAAAAAAAAAEAAACAgIAKAAAAACgAAAAoAAAAZAAAAGQAAAAAAAAAzMzMAAAAAABQAAAAUAAAAGQAAABkAAAAAAAAABcAAAAUAAAAAAAAAAAAAAD/fwAA/38AAAAAAAAJAAAABAAAAGICAAAeAAAAaAAAAAAAAAAAAAAAAAAAAAAAAAAAAAAAECcAABAnAAAAAAAAAAAAAAAAAAAAAAAAAAAAAAAAAAAAAAAAAAAAABQAAAAAAAAAwMD/AAAAAABkAAAAMgAAAAAAAABkAAAAAAAAAH9/fwAKAAAAIgAAABgAAAAAAAAAAAAAAAAAAAAAAAAAAAAAAAAAAAAkAAAAJAAAAAAAAAAHAAAAAAAAAAAAAAAAAAAAAAAAAAAAAAAAAAAAf39/ACUAAABYAAAAAAAAAAAAAAAAAAAAAAAAAAAAAAAAAAAAAAAAAAAAAAAAAAAAAAAAAAAAAAA/AAAAAAAAAKCGAQAAAAAAAAAAAAAAAAAMAAAAAQAAAAAAAAAAAAAAAAAAAB8AAABUAAAAAAAABQAAAAEAAAAAAAAAAAAAAAAAAAAAAAAAAAAAAAAAAAAAAAAAAAAAAAJ/f38AAAAAA8zMzADAwP8Af39/AAAAAAAAAAAAAAAAAAAAAAAAAAAAIQAAABgAAAAUAAAAwAMAALABAABARwAAuAgAABAAAAAmAAAACAAAAAAAAAAAAAAAMAAAABQAAAAAAAAAAAD//wAAAQAAAP//AAABAA=="/>
               </a:ext>
             </a:extLst>
           </p:cNvSpPr>
@@ -4086,12 +4086,7 @@
             <p:ph type="title"/>
           </p:nvPr>
         </p:nvSpPr>
-        <p:spPr>
-          <a:xfrm>
-            <a:off x="609600" y="274320"/>
-            <a:ext cx="10972800" cy="1143000"/>
-          </a:xfrm>
-        </p:spPr>
+        <p:spPr/>
         <p:txBody>
           <a:bodyPr/>
           <a:lstStyle/>
@@ -4110,7 +4105,7 @@
             <a:spLocks noGrp="1" noChangeArrowheads="1"/>
             <a:extLst>
               <a:ext uri="smNativeData">
-                <pr:smNativeData xmlns:pr="smNativeData" xmlns="smNativeData" val="SMDATA_16_jeCHZxMAAAAlAAAAZAAAAA8BAAAAkAAAAEgAAACQAAAASAAAAAAAAAAAAAAAAAAAAAEAAABQAAAAAAAAAAAA4D8AAAAAAADgPwAAAAAAAOA/AAAAAAAA4D8AAAAAAADgPwAAAAAAAOA/AAAAAAAA4D8AAAAAAADgPwAAAAAAAOA/AAAAAAAA4D8CAAAAjAAAAAAAAAAAAAAAu+DjDP///wgAAAAAAAAAAAAAAAAAAAAAAAAAAAAAAAAAAAAAZAAAAAEAAABAAAAAAAAAAAAAAAAAAAAAAAAAAAAAAAAAAAAAAAAAAAAAAAAAAAAAAAAAAAAAAAAAAAAAAAAAAAAAAAAAAAAAAAAAAAAAAAAAAAAAAAAAAAAAAAAAAAAAFAAAADwAAAAAAAAAAAAAAAAAAAkUAAAAAQAAABQAAAAUAAAAFAAAAAEAAAAAAAAAZAAAAGQAAAAAAAAAZAAAAGQAAAAVAAAAYAAAAAAAAAAAAAAADwAAACADAAAAAAAAAAAAAAEAAACgMgAAVgcAAKr4//8BAAAAf39/AAEAAABkAAAAAAAAABQAAABAHwAAAAAAACYAAAAAAAAAwOD//wAAAAAmAAAAZAAAABYAAABMAAAAAAAAAAAAAAAEAAAAAAAAAAEAAACAgIAKAAAAACgAAAAoAAAAZAAAAGQAAAAAAAAAzMzMAAAAAABQAAAAUAAAAGQAAABkAAAAAAAAABcAAAAUAAAAAAAAAAAAAAD/fwAA/38AAAAAAAAJAAAABAAAAGICAAAeAAAAaAAAAAAAAAAAAAAAAAAAAAAAAAAAAAAAECcAABAnAAAAAAAAAAAAAAAAAAAAAAAAAAAAAAAAAAAAAAAAAAAAABQAAAAAAAAAwMD/AAAAAABkAAAAMgAAAAAAAABkAAAAAAAAAH9/fwAKAAAAIgAAABgAAAAAAAAAAAAAAAAAAAAAAAAAAAAAAAAAAAAkAAAAJAAAAAAAAAAHAAAAAAAAAAAAAAAAAAAAAAAAAAAAAAAAAAAAf39/ACUAAABYAAAAAAAAAAAAAAAAAAAAAAAAAAAAAAAAAAAAAAAAAAAAAAAAAAAAAAAAAAAAAAA/AAAAAAAAAKCGAQAAAAAAAAAAAAAAAAAMAAAAAQAAAAAAAAAAAAAAAAAAAB8AAABUAAAAAAAABQAAAAEAAAAAAAAAAAAAAAAAAAAAAAAAAAAAAAAAAAAAAAAAAAAAAAJ/f38AAAAAA8zMzADAwP8Af39/AAAAAAAAAAAAAAAAAAAAAAAAAAAAIQAAABgAAAAUAAAAwAMAANgJAABARwAAsCUAAAAAAAAmAAAACAAAAAEAAAAAAAAAMAAAABQAAAAAAAAAAAD//wAAAQAAAP//AAABAA=="/>
+                <pr:smNativeData xmlns:pr="smNativeData" xmlns="smNativeData" val="SMDATA_16_oViJZxMAAAAlAAAAZAAAAA8BAAAAkAAAAEgAAACQAAAASAAAAAAAAAAAAAAAAAAAAAEAAABQAAAAAAAAAAAA4D8AAAAAAADgPwAAAAAAAOA/AAAAAAAA4D8AAAAAAADgPwAAAAAAAOA/AAAAAAAA4D8AAAAAAADgPwAAAAAAAOA/AAAAAAAA4D8CAAAAjAAAAAAAAAAAAAAAu+DjDP///wgAAAAAAAAAAAAAAAAAAAAAAAAAAAAAAAAAAAAAZAAAAAEAAABAAAAAAAAAAAAAAAAAAAAAAAAAAAAAAAAAAAAAAAAAAAAAAAAAAAAAAAAAAAAAAAAAAAAAAAAAAAAAAAAAAAAAAAAAAAAAAAAAAAAAAAAAAAAAAAAAAAAAFAAAADwAAAAAAAAAAAAAAAAAAAkUAAAAAQAAABQAAAAUAAAAFAAAAAEAAAAAAAAAZAAAAGQAAAAAAAAAZAAAAGQAAAAVAAAAYAAAAAAAAAAAAAAADwAAACADAAAAAAAAAAAAAAEAAACgMgAAVgcAAKr4//8BAAAAf39/AAEAAABkAAAAAAAAABQAAABAHwAAAAAAACYAAAAAAAAAwOD//wAAAAAmAAAAZAAAABYAAABMAAAAAAAAAAAAAAAEAAAAAAAAAAEAAACAgIAKAAAAACgAAAAoAAAAZAAAAGQAAAAAAAAAzMzMAAAAAABQAAAAUAAAAGQAAABkAAAAAAAAABcAAAAUAAAAAAAAAAAAAAD/fwAA/38AAAAAAAAJAAAABAAAAGICAAAeAAAAaAAAAAAAAAAAAAAAAAAAAAAAAAAAAAAAECcAABAnAAAAAAAAAAAAAAAAAAAAAAAAAAAAAAAAAAAAAAAAAAAAABQAAAAAAAAAwMD/AAAAAABkAAAAMgAAAAAAAABkAAAAAAAAAH9/fwAKAAAAIgAAABgAAAAAAAAAAAAAAAAAAAAAAAAAAAAAAAAAAAAkAAAAJAAAAAAAAAAHAAAAAAAAAAAAAAAAAAAAAAAAAAAAAAAAAAAAf39/ACUAAABYAAAAAAAAAAAAAAAAAAAAAAAAAAAAAAAAAAAAAAAAAAAAAAAAAAAAAAAAAAAAAAA/AAAAAAAAAKCGAQAAAAAAAAAAAAAAAAAMAAAAAQAAAAAAAAAAAAAAAAAAAB8AAABUAAAAAAAABQAAAAEAAAAAAAAAAAAAAAAAAAAAAAAAAAAAAAAAAAAAAAAAAAAAAAJ/f38AAAAAA8zMzADAwP8Af39/AAAAAAAAAAAAAAAAAAAAAAAAAAAAIQAAABgAAAAUAAAAwAMAANgJAABARwAAsCUAABAAAAAmAAAACAAAAAAAAAAAAAAAMAAAABQAAAAAAAAAAAD//wAAAQAAAP//AAABAA=="/>
               </a:ext>
             </a:extLst>
           </p:cNvSpPr>
@@ -4118,12 +4113,7 @@
             <p:ph type="body" idx="1"/>
           </p:nvPr>
         </p:nvSpPr>
-        <p:spPr>
-          <a:xfrm>
-            <a:off x="609600" y="1600200"/>
-            <a:ext cx="10972800" cy="4526280"/>
-          </a:xfrm>
-        </p:spPr>
+        <p:spPr/>
         <p:txBody>
           <a:bodyPr/>
           <a:lstStyle/>
@@ -4204,7 +4194,7 @@
             <a:spLocks noGrp="1" noChangeArrowheads="1"/>
             <a:extLst>
               <a:ext uri="smNativeData">
-                <pr:smNativeData xmlns:pr="smNativeData" xmlns="smNativeData" val="SMDATA_16_jeCHZxMAAAAlAAAAZAAAAA8BAAAAkAAAAEgAAACQAAAASAAAAAAAAAABAAAAAAAAAAEAAABQAAAAAAAAAAAA4D8AAAAAAADgPwAAAAAAAOA/AAAAAAAA4D8AAAAAAADgPwAAAAAAAOA/AAAAAAAA4D8AAAAAAADgPwAAAAAAAOA/AAAAAAAA4D8CAAAAjAAAAAAAAAAAAAAAu+DjDP///wgAAAAAAAAAAAAAAAAAAAAAAAAAAAAAAAAAAAAAZAAAAAEAAABAAAAAAAAAAAAAAAAAAAAAAAAAAAAAAAAAAAAAAAAAAAAAAAAAAAAAAAAAAAAAAAAAAAAAAAAAAAAAAAAAAAAAAAAAAAAAAAAAAAAAAAAAAAAAAAAAAAAAFAAAADwAAAAAAAAAAAAAAAAAAAkUAAAAAQAAABQAAAAUAAAAFAAAAAEAAAAAAAAAZAAAAGQAAAAAAAAAZAAAAGQAAAAVAAAAYAAAAAAAAAAAAAAADwAAACADAAAAAAAAAAAAAAEAAACgMgAAVgcAAKr4//8BAAAAf39/AAEAAABkAAAAAAAAABQAAABAHwAAAAAAACYAAAAAAAAAwOD//wAAAAAmAAAAZAAAABYAAABMAAAAAAAAAAAAAAAEAAAAAAAAAAEAAACAgIAKAAAAACgAAAAoAAAAZAAAAGQAAAAAAAAAzMzMAAAAAABQAAAAUAAAAGQAAABkAAAAAAAAABcAAAAUAAAAAAAAAAAAAAD/fwAA/38AAAAAAAAJAAAABAAAANEAAAAeAAAAaAAAAAAAAAAAAAAAAAAAAAAAAAAAAAAAECcAABAnAAAAAAAAAAAAAAAAAAAAAAAAAAAAAAAAAAAAAAAAAAAAABQAAAAAAAAAwMD/AAAAAABkAAAAMgAAAAAAAABkAAAAAAAAAH9/fwAKAAAAIgAAABgAAAAAAAAAAAAAAAAAAAAAAAAAAAAAAAAAAAAkAAAAJAAAAAAAAAAHAAAAAAAAAAAAAAAAAAAAAAAAAAAAAAAAAAAAf39/ACUAAABYAAAAAAAAAAAAAAAAAAAAAAAAAAAAAAAAAAAAAAAAAAAAAAAAAAAAAAAAAAAAAAA/AAAAAAAAAKCGAQAAAAAAAAAAAAAAAAAMAAAAAQAAAAAAAAAAAAAAAAAAAB8AAABUAAAAAAAABQAAAAEAAAAAAAAAAAAAAAAAAAAAAAAAAAAAAAAAAAAAAAAAAAAAAAJ/f38AAAAAA8zMzADAwP8Af39/AAAAAAAAAAAAAAAAAAAAAAAAAAAAIQAAABgAAAAUAAAAwAMAALABAABARwAAuAgAABAAAAAmAAAACAAAAAAAAAAAAAAAMAAAABQAAAAAAAAAAAD//wAAAQAAAP//AAABAA=="/>
+                <pr:smNativeData xmlns:pr="smNativeData" xmlns="smNativeData" val="SMDATA_16_oViJZxMAAAAlAAAAZAAAAA8BAAAAkAAAAEgAAACQAAAASAAAAAAAAAABAAAAAAAAAAEAAABQAAAAAAAAAAAA4D8AAAAAAADgPwAAAAAAAOA/AAAAAAAA4D8AAAAAAADgPwAAAAAAAOA/AAAAAAAA4D8AAAAAAADgPwAAAAAAAOA/AAAAAAAA4D8CAAAAjAAAAAAAAAAAAAAAu+DjDP///wgAAAAAAAAAAAAAAAAAAAAAAAAAAAAAAAAAAAAAZAAAAAEAAABAAAAAAAAAAAAAAAAAAAAAAAAAAAAAAAAAAAAAAAAAAAAAAAAAAAAAAAAAAAAAAAAAAAAAAAAAAAAAAAAAAAAAAAAAAAAAAAAAAAAAAAAAAAAAAAAAAAAAFAAAADwAAAAAAAAAAAAAAAAAAAkUAAAAAQAAABQAAAAUAAAAFAAAAAEAAAAAAAAAZAAAAGQAAAAAAAAAZAAAAGQAAAAVAAAAYAAAAAAAAAAAAAAADwAAACADAAAAAAAAAAAAAAEAAACgMgAAVgcAAKr4//8BAAAAf39/AAEAAABkAAAAAAAAABQAAABAHwAAAAAAACYAAAAAAAAAwOD//wAAAAAmAAAAZAAAABYAAABMAAAAAAAAAAAAAAAEAAAAAAAAAAEAAACAgIAKAAAAACgAAAAoAAAAZAAAAGQAAAAAAAAAzMzMAAAAAABQAAAAUAAAAGQAAABkAAAAAAAAABcAAAAUAAAAAAAAAAAAAAD/fwAA/38AAAAAAAAJAAAABAAAANEAAAAeAAAAaAAAAAAAAAAAAAAAAAAAAAAAAAAAAAAAECcAABAnAAAAAAAAAAAAAAAAAAAAAAAAAAAAAAAAAAAAAAAAAAAAABQAAAAAAAAAwMD/AAAAAABkAAAAMgAAAAAAAABkAAAAAAAAAH9/fwAKAAAAIgAAABgAAAAAAAAAAAAAAAAAAAAAAAAAAAAAAAAAAAAkAAAAJAAAAAAAAAAHAAAAAAAAAAAAAAAAAAAAAAAAAAAAAAAAAAAAf39/ACUAAABYAAAAAAAAAAAAAAAAAAAAAAAAAAAAAAAAAAAAAAAAAAAAAAAAAAAAAAAAAAAAAAA/AAAAAAAAAKCGAQAAAAAAAAAAAAAAAAAMAAAAAQAAAAAAAAAAAAAAAAAAAB8AAABUAAAAAAAABQAAAAEAAAAAAAAAAAAAAAAAAAAAAAAAAAAAAAAAAAAAAAAAAAAAAAJ/f38AAAAAA8zMzADAwP8Af39/AAAAAAAAAAAAAAAAAAAAAAAAAAAAIQAAABgAAAAUAAAAwAMAALABAABARwAAuAgAABAAAAAmAAAACAAAAAAAAAAAAAAAMAAAABQAAAAAAAAAAAD//wAAAQAAAP//AAABAA=="/>
               </a:ext>
             </a:extLst>
           </p:cNvSpPr>
@@ -4231,7 +4221,7 @@
             <a:spLocks noGrp="1" noChangeArrowheads="1"/>
             <a:extLst>
               <a:ext uri="smNativeData">
-                <pr:smNativeData xmlns:pr="smNativeData" xmlns="smNativeData" val="SMDATA_16_jeCHZxMAAAAlAAAAZAAAAA8BAAAAkAAAAEgAAACQAAAASAAAAAAAAAAAAAAAAAAAAAEAAABQAAAAAAAAAAAA4D8AAAAAAADgPwAAAAAAAOA/AAAAAAAA4D8AAAAAAADgPwAAAAAAAOA/AAAAAAAA4D8AAAAAAADgPwAAAAAAAOA/AAAAAAAA4D8CAAAAjAAAAAAAAAAAAAAAu+DjDP///wgAAAAAAAAAAAAAAAAAAAAAAAAAAAAAAAAAAAAAZAAAAAEAAABAAAAAAAAAAAAAAAAAAAAAAAAAAAAAAAAAAAAAAAAAAAAAAAAAAAAAAAAAAAAAAAAAAAAAAAAAAAAAAAAAAAAAAAAAAAAAAAAAAAAAAAAAAAAAAAAAAAAAFAAAADwAAAAAAAAAAAAAAAAAAAkUAAAAAQAAABQAAAAUAAAAFAAAAAEAAAAAAAAAZAAAAGQAAAAAAAAAZAAAAGQAAAAVAAAAYAAAAAAAAAAAAAAADwAAACADAAAAAAAAAAAAAAEAAACgMgAAVgcAAKr4//8BAAAAf39/AAEAAABkAAAAAAAAABQAAABAHwAAAAAAACYAAAAAAAAAwOD//wAAAAAmAAAAZAAAABYAAABMAAAAAAAAAAAAAAAEAAAAAAAAAAEAAACAgIAKAAAAACgAAAAoAAAAZAAAAGQAAAAAAAAAzMzMAAAAAABQAAAAUAAAAGQAAABkAAAAAAAAABcAAAAUAAAAAAAAAAAAAAD/fwAA/38AAAAAAAAJAAAABAAAAO8CAAAeAAAAaAAAAAAAAAAAAAAAAAAAAAAAAAAAAAAAECcAABAnAAAAAAAAAAAAAAAAAAAAAAAAAAAAAAAAAAAAAAAAAAAAABQAAAAAAAAAwMD/AAAAAABkAAAAMgAAAAAAAABkAAAAAAAAAH9/fwAKAAAAIgAAABgAAAAAAAAAAAAAAAAAAAAAAAAAAAAAAAAAAAAkAAAAJAAAAAAAAAAHAAAAAAAAAAAAAAAAAAAAAAAAAAAAAAAAAAAAf39/ACUAAABYAAAAAAAAAAAAAAAAAAAAAAAAAAAAAAAAAAAAAAAAAAAAAAAAAAAAAAAAAAAAAAA/AAAAAAAAAKCGAQAAAAAAAAAAAAAAAAAMAAAAAQAAAAAAAAAAAAAAAAAAAB8AAABUAAAAAAAABQAAAAEAAAAAAAAAAAAAAAAAAAAAAAAAAAAAAAAAAAAAAAAAAAAAAAJ/f38AAAAAA8zMzADAwP8Af39/AAAAAAAAAAAAAAAAAAAAAAAAAAAAIQAAABgAAAAUAAAAwAMAANgJAABARwAAsCUAABAAAAAmAAAACAAAAAAAAAAAAAAAMAAAABQAAAAAAAAAAAD//wAAAQAAAP//AAABAA=="/>
+                <pr:smNativeData xmlns:pr="smNativeData" xmlns="smNativeData" val="SMDATA_16_oViJZxMAAAAlAAAAZAAAAA8BAAAAkAAAAEgAAACQAAAASAAAAAAAAAAAAAAAAAAAAAEAAABQAAAAAAAAAAAA4D8AAAAAAADgPwAAAAAAAOA/AAAAAAAA4D8AAAAAAADgPwAAAAAAAOA/AAAAAAAA4D8AAAAAAADgPwAAAAAAAOA/AAAAAAAA4D8CAAAAjAAAAAAAAAAAAAAAu+DjDP///wgAAAAAAAAAAAAAAAAAAAAAAAAAAAAAAAAAAAAAZAAAAAEAAABAAAAAAAAAAAAAAAAAAAAAAAAAAAAAAAAAAAAAAAAAAAAAAAAAAAAAAAAAAAAAAAAAAAAAAAAAAAAAAAAAAAAAAAAAAAAAAAAAAAAAAAAAAAAAAAAAAAAAFAAAADwAAAAAAAAAAAAAAAAAAAkUAAAAAQAAABQAAAAUAAAAFAAAAAEAAAAAAAAAZAAAAGQAAAAAAAAAZAAAAGQAAAAVAAAAYAAAAAAAAAAAAAAADwAAACADAAAAAAAAAAAAAAEAAACgMgAAVgcAAKr4//8BAAAAf39/AAEAAABkAAAAAAAAABQAAABAHwAAAAAAACYAAAAAAAAAwOD//wAAAAAmAAAAZAAAABYAAABMAAAAAAAAAAAAAAAEAAAAAAAAAAEAAACAgIAKAAAAACgAAAAoAAAAZAAAAGQAAAAAAAAAzMzMAAAAAABQAAAAUAAAAGQAAABkAAAAAAAAABcAAAAUAAAAAAAAAAAAAAD/fwAA/38AAAAAAAAJAAAABAAAAO8CAAAeAAAAaAAAAAAAAAAAAAAAAAAAAAAAAAAAAAAAECcAABAnAAAAAAAAAAAAAAAAAAAAAAAAAAAAAAAAAAAAAAAAAAAAABQAAAAAAAAAwMD/AAAAAABkAAAAMgAAAAAAAABkAAAAAAAAAH9/fwAKAAAAIgAAABgAAAAAAAAAAAAAAAAAAAAAAAAAAAAAAAAAAAAkAAAAJAAAAAAAAAAHAAAAAAAAAAAAAAAAAAAAAAAAAAAAAAAAAAAAf39/ACUAAABYAAAAAAAAAAAAAAAAAAAAAAAAAAAAAAAAAAAAAAAAAAAAAAAAAAAAAAAAAAAAAAA/AAAAAAAAAKCGAQAAAAAAAAAAAAAAAAAMAAAAAQAAAAAAAAAAAAAAAAAAAB8AAABUAAAAAAAABQAAAAEAAAAAAAAAAAAAAAAAAAAAAAAAAAAAAAAAAAAAAAAAAAAAAAJ/f38AAAAAA8zMzADAwP8Af39/AAAAAAAAAAAAAAAAAAAAAAAAAAAAIQAAABgAAAAUAAAAwAMAANgJAABARwAAsCUAABAAAAAmAAAACAAAAAAAAAAAAAAAMAAAABQAAAAAAAAAAAD//wAAAQAAAP//AAABAA=="/>
               </a:ext>
             </a:extLst>
           </p:cNvSpPr>
@@ -4292,7 +4282,7 @@
             <a:spLocks noGrp="1" noChangeArrowheads="1"/>
             <a:extLst>
               <a:ext uri="smNativeData">
-                <pr:smNativeData xmlns:pr="smNativeData" xmlns="smNativeData" val="SMDATA_16_jeCHZxMAAAAlAAAAZAAAAA8BAAAAkAAAAEgAAACQAAAASAAAAAAAAAABAAAAAAAAAAEAAABQAAAAAAAAAAAA4D8AAAAAAADgPwAAAAAAAOA/AAAAAAAA4D8AAAAAAADgPwAAAAAAAOA/AAAAAAAA4D8AAAAAAADgPwAAAAAAAOA/AAAAAAAA4D8CAAAAjAAAAAAAAAAAAAAAu+DjDP///wgAAAAAAAAAAAAAAAAAAAAAAAAAAAAAAAAAAAAAZAAAAAEAAABAAAAAAAAAAAAAAAAAAAAAAAAAAAAAAAAAAAAAAAAAAAAAAAAAAAAAAAAAAAAAAAAAAAAAAAAAAAAAAAAAAAAAAAAAAAAAAAAAAAAAAAAAAAAAAAAAAAAAFAAAADwAAAAAAAAAAAAAAAAAAAkUAAAAAQAAABQAAAAUAAAAFAAAAAEAAAAAAAAAZAAAAGQAAAAAAAAAZAAAAGQAAAAVAAAAYAAAAAAAAAAAAAAADwAAACADAAAAAAAAAAAAAAEAAACgMgAAVgcAAKr4//8BAAAAf39/AAEAAABkAAAAAAAAABQAAABAHwAAAAAAACYAAAAAAAAAwOD//wAAAAAmAAAAZAAAABYAAABMAAAAAAAAAAAAAAAEAAAAAAAAAAEAAACAgIAKAAAAACgAAAAoAAAAZAAAAGQAAAAAAAAAzMzMAAAAAABQAAAAUAAAAGQAAABkAAAAAAAAABcAAAAUAAAAAAAAAAAAAAD/fwAA/38AAAAAAAAJAAAABAAAANEAAAAeAAAAaAAAAAAAAAAAAAAAAAAAAAAAAAAAAAAAECcAABAnAAAAAAAAAAAAAAAAAAAAAAAAAAAAAAAAAAAAAAAAAAAAABQAAAAAAAAAwMD/AAAAAABkAAAAMgAAAAAAAABkAAAAAAAAAH9/fwAKAAAAIgAAABgAAAAAAAAAAAAAAAAAAAAAAAAAAAAAAAAAAAAkAAAAJAAAAAAAAAAHAAAAAAAAAAAAAAAAAAAAAAAAAAAAAAAAAAAAf39/ACUAAABYAAAAAAAAAAAAAAAAAAAAAAAAAAAAAAAAAAAAAAAAAAAAAAAAAAAAAAAAAAAAAAA/AAAAAAAAAKCGAQAAAAAAAAAAAAAAAAAMAAAAAQAAAAAAAAAAAAAAAAAAAB8AAABUAAAAAAAABQAAAAEAAAAAAAAAAAAAAAAAAAAAAAAAAAAAAAAAAAAAAAAAAAAAAAJ/f38AAAAAA8zMzADAwP8Af39/AAAAAAAAAAAAAAAAAAAAAAAAAAAAIQAAABgAAAAUAAAAwAMAALABAABARwAAuAgAAAAAAAAmAAAACAAAAAEAAAAAAAAAMAAAABQAAAAAAAAAAAD//wAAAQAAAP//AAABAA=="/>
+                <pr:smNativeData xmlns:pr="smNativeData" xmlns="smNativeData" val="SMDATA_16_oViJZxMAAAAlAAAAZAAAAA8BAAAAkAAAAEgAAACQAAAASAAAAAAAAAABAAAAAAAAAAEAAABQAAAAAAAAAAAA4D8AAAAAAADgPwAAAAAAAOA/AAAAAAAA4D8AAAAAAADgPwAAAAAAAOA/AAAAAAAA4D8AAAAAAADgPwAAAAAAAOA/AAAAAAAA4D8CAAAAjAAAAAAAAAAAAAAAu+DjDP///wgAAAAAAAAAAAAAAAAAAAAAAAAAAAAAAAAAAAAAZAAAAAEAAABAAAAAAAAAAAAAAAAAAAAAAAAAAAAAAAAAAAAAAAAAAAAAAAAAAAAAAAAAAAAAAAAAAAAAAAAAAAAAAAAAAAAAAAAAAAAAAAAAAAAAAAAAAAAAAAAAAAAAFAAAADwAAAAAAAAAAAAAAAAAAAkUAAAAAQAAABQAAAAUAAAAFAAAAAEAAAAAAAAAZAAAAGQAAAAAAAAAZAAAAGQAAAAVAAAAYAAAAAAAAAAAAAAADwAAACADAAAAAAAAAAAAAAEAAACgMgAAVgcAAKr4//8BAAAAf39/AAEAAABkAAAAAAAAABQAAABAHwAAAAAAACYAAAAAAAAAwOD//wAAAAAmAAAAZAAAABYAAABMAAAAAAAAAAAAAAAEAAAAAAAAAAEAAACAgIAKAAAAACgAAAAoAAAAZAAAAGQAAAAAAAAAzMzMAAAAAABQAAAAUAAAAGQAAABkAAAAAAAAABcAAAAUAAAAAAAAAAAAAAD/fwAA/38AAAAAAAAJAAAABAAAANEAAAAeAAAAaAAAAAAAAAAAAAAAAAAAAAAAAAAAAAAAECcAABAnAAAAAAAAAAAAAAAAAAAAAAAAAAAAAAAAAAAAAAAAAAAAABQAAAAAAAAAwMD/AAAAAABkAAAAMgAAAAAAAABkAAAAAAAAAH9/fwAKAAAAIgAAABgAAAAAAAAAAAAAAAAAAAAAAAAAAAAAAAAAAAAkAAAAJAAAAAAAAAAHAAAAAAAAAAAAAAAAAAAAAAAAAAAAAAAAAAAAf39/ACUAAABYAAAAAAAAAAAAAAAAAAAAAAAAAAAAAAAAAAAAAAAAAAAAAAAAAAAAAAAAAAAAAAA/AAAAAAAAAKCGAQAAAAAAAAAAAAAAAAAMAAAAAQAAAAAAAAAAAAAAAAAAAB8AAABUAAAAAAAABQAAAAEAAAAAAAAAAAAAAAAAAAAAAAAAAAAAAAAAAAAAAAAAAAAAAAJ/f38AAAAAA8zMzADAwP8Af39/AAAAAAAAAAAAAAAAAAAAAAAAAAAAIQAAABgAAAAUAAAAwAMAALABAABARwAAuAgAABAAAAAmAAAACAAAAAAAAAAAAAAAMAAAABQAAAAAAAAAAAD//wAAAQAAAP//AAABAA=="/>
               </a:ext>
             </a:extLst>
           </p:cNvSpPr>
@@ -4300,12 +4290,7 @@
             <p:ph type="title"/>
           </p:nvPr>
         </p:nvSpPr>
-        <p:spPr>
-          <a:xfrm>
-            <a:off x="609600" y="274320"/>
-            <a:ext cx="10972800" cy="1143000"/>
-          </a:xfrm>
-        </p:spPr>
+        <p:spPr/>
         <p:txBody>
           <a:bodyPr/>
           <a:lstStyle/>
@@ -4324,7 +4309,7 @@
             <a:spLocks noGrp="1" noChangeArrowheads="1"/>
             <a:extLst>
               <a:ext uri="smNativeData">
-                <pr:smNativeData xmlns:pr="smNativeData" xmlns="smNativeData" val="SMDATA_16_jeCHZxMAAAAlAAAAZAAAAA8BAAAAkAAAAEgAAACQAAAASAAAAAAAAAAAAAAAAAAAAAEAAABQAAAAAAAAAAAA4D8AAAAAAADgPwAAAAAAAOA/AAAAAAAA4D8AAAAAAADgPwAAAAAAAOA/AAAAAAAA4D8AAAAAAADgPwAAAAAAAOA/AAAAAAAA4D8CAAAAjAAAAAAAAAAAAAAAu+DjDP///wgAAAAAAAAAAAAAAAAAAAAAAAAAAAAAAAAAAAAAZAAAAAEAAABAAAAAAAAAAAAAAAAAAAAAAAAAAAAAAAAAAAAAAAAAAAAAAAAAAAAAAAAAAAAAAAAAAAAAAAAAAAAAAAAAAAAAAAAAAAAAAAAAAAAAAAAAAAAAAAAAAAAAFAAAADwAAAAAAAAAAAAAAAAAAAkUAAAAAQAAABQAAAAUAAAAFAAAAAEAAAAAAAAAZAAAAGQAAAAAAAAAZAAAAGQAAAAVAAAAYAAAAAAAAAAAAAAADwAAACADAAAAAAAAAAAAAAEAAACgMgAAVgcAAKr4//8BAAAAf39/AAEAAABkAAAAAAAAABQAAABAHwAAAAAAACYAAAAAAAAAwOD//wAAAAAmAAAAZAAAABYAAABMAAAAAAAAAAAAAAAEAAAAAAAAAAEAAACAgIAKAAAAACgAAAAoAAAAZAAAAGQAAAAAAAAAzMzMAAAAAABQAAAAUAAAAGQAAABkAAAAAAAAABcAAAAUAAAAAAAAAAAAAAD/fwAA/38AAAAAAAAJAAAABAAAAD0iLTUeAAAAaAAAAAAAAAAAAAAAAAAAAAAAAAAAAAAAECcAABAnAAAAAAAAAAAAAAAAAAAAAAAAAAAAAAAAAAAAAAAAAAAAABQAAAAAAAAAwMD/AAAAAABkAAAAMgAAAAAAAABkAAAAAAAAAH9/fwAKAAAAIgAAABgAAAAAAAAAAAAAAAAAAAAAAAAAAAAAAAAAAAAkAAAAJAAAAAAAAAAHAAAAAAAAAAAAAAAAAAAAAAAAAAAAAAAAAAAAf39/ACUAAABYAAAAAAAAAAAAAAAAAAAAAAAAAAAAAAAAAAAAAAAAAAAAAAAAAAAAAAAAAAAAAAA/AAAAAAAAAKCGAQAAAAAAAAAAAAAAAAAMAAAAAQAAAAAAAAAAAAAAAAAAAB8AAABUAAAAAAAABQAAAAEAAAAAAAAAAAAAAAAAAAAAAAAAAAAAAAAAAAAAAAAAAAAAAAJ/f38AAAAAA8zMzADAwP8Af39/AAAAAAAAAAAAAAAAAAAAAAAAAAAAIQAAABgAAAAUAAAAwAMAANgJAABARwAAsCUAAAAAAAAmAAAACAAAAAEAAAAAAAAAMAAAABQAAAAAAAAAAAD//wAAAQAAAP//AAABAA=="/>
+                <pr:smNativeData xmlns:pr="smNativeData" xmlns="smNativeData" val="SMDATA_16_oViJZxMAAAAlAAAAZAAAAA8BAAAAkAAAAEgAAACQAAAASAAAAAAAAAAAAAAAAAAAAAEAAABQAAAAAAAAAAAA4D8AAAAAAADgPwAAAAAAAOA/AAAAAAAA4D8AAAAAAADgPwAAAAAAAOA/AAAAAAAA4D8AAAAAAADgPwAAAAAAAOA/AAAAAAAA4D8CAAAAjAAAAAAAAAAAAAAAu+DjDP///wgAAAAAAAAAAAAAAAAAAAAAAAAAAAAAAAAAAAAAZAAAAAEAAABAAAAAAAAAAAAAAAAAAAAAAAAAAAAAAAAAAAAAAAAAAAAAAAAAAAAAAAAAAAAAAAAAAAAAAAAAAAAAAAAAAAAAAAAAAAAAAAAAAAAAAAAAAAAAAAAAAAAAFAAAADwAAAAAAAAAAAAAAAAAAAkUAAAAAQAAABQAAAAUAAAAFAAAAAEAAAAAAAAAZAAAAGQAAAAAAAAAZAAAAGQAAAAVAAAAYAAAAAAAAAAAAAAADwAAACADAAAAAAAAAAAAAAEAAACgMgAAVgcAAKr4//8BAAAAf39/AAEAAABkAAAAAAAAABQAAABAHwAAAAAAACYAAAAAAAAAwOD//wAAAAAmAAAAZAAAABYAAABMAAAAAAAAAAAAAAAEAAAAAAAAAAEAAACAgIAKAAAAACgAAAAoAAAAZAAAAGQAAAAAAAAAzMzMAAAAAABQAAAAUAAAAGQAAABkAAAAAAAAABcAAAAUAAAAAAAAAAAAAAD/fwAA/38AAAAAAAAJAAAABAAAAD0iLTUeAAAAaAAAAAAAAAAAAAAAAAAAAAAAAAAAAAAAECcAABAnAAAAAAAAAAAAAAAAAAAAAAAAAAAAAAAAAAAAAAAAAAAAABQAAAAAAAAAwMD/AAAAAABkAAAAMgAAAAAAAABkAAAAAAAAAH9/fwAKAAAAIgAAABgAAAAAAAAAAAAAAAAAAAAAAAAAAAAAAAAAAAAkAAAAJAAAAAAAAAAHAAAAAAAAAAAAAAAAAAAAAAAAAAAAAAAAAAAAf39/ACUAAABYAAAAAAAAAAAAAAAAAAAAAAAAAAAAAAAAAAAAAAAAAAAAAAAAAAAAAAAAAAAAAAA/AAAAAAAAAKCGAQAAAAAAAAAAAAAAAAAMAAAAAQAAAAAAAAAAAAAAAAAAAB8AAABUAAAAAAAABQAAAAEAAAAAAAAAAAAAAAAAAAAAAAAAAAAAAAAAAAAAAAAAAAAAAAJ/f38AAAAAA8zMzADAwP8Af39/AAAAAAAAAAAAAAAAAAAAAAAAAAAAIQAAABgAAAAUAAAAwAMAANgJAABARwAAsCUAABAAAAAmAAAACAAAAAAAAAAAAAAAMAAAABQAAAAAAAAAAAD//wAAAQAAAP//AAABAA=="/>
               </a:ext>
             </a:extLst>
           </p:cNvSpPr>
@@ -4332,12 +4317,7 @@
             <p:ph type="body" idx="1"/>
           </p:nvPr>
         </p:nvSpPr>
-        <p:spPr>
-          <a:xfrm>
-            <a:off x="609600" y="1600200"/>
-            <a:ext cx="10972800" cy="4526280"/>
-          </a:xfrm>
-        </p:spPr>
+        <p:spPr/>
         <p:txBody>
           <a:bodyPr/>
           <a:lstStyle/>
@@ -4427,7 +4407,7 @@
             <a:spLocks noGrp="1" noChangeArrowheads="1"/>
             <a:extLst>
               <a:ext uri="smNativeData">
-                <pr:smNativeData xmlns:pr="smNativeData" xmlns="smNativeData" val="SMDATA_16_jeCHZxMAAAAlAAAAZAAAAA8BAAAAkAAAAEgAAACQAAAASAAAAAAAAAABAAAAAAAAAAEAAABQAAAAAAAAAAAA4D8AAAAAAADgPwAAAAAAAOA/AAAAAAAA4D8AAAAAAADgPwAAAAAAAOA/AAAAAAAA4D8AAAAAAADgPwAAAAAAAOA/AAAAAAAA4D8CAAAAjAAAAAAAAAAAAAAAu+DjDP///wgAAAAAAAAAAAAAAAAAAAAAAAAAAAAAAAAAAAAAZAAAAAEAAABAAAAAAAAAAAAAAAAAAAAAAAAAAAAAAAAAAAAAAAAAAAAAAAAAAAAAAAAAAAAAAAAAAAAAAAAAAAAAAAAAAAAAAAAAAAAAAAAAAAAAAAAAAAAAAAAAAAAAFAAAADwAAAAAAAAAAAAAAAAAAAkUAAAAAQAAABQAAAAUAAAAFAAAAAEAAAAAAAAAZAAAAGQAAAAAAAAAZAAAAGQAAAAVAAAAYAAAAAAAAAAAAAAADwAAACADAAAAAAAAAAAAAAEAAACgMgAAVgcAAKr4//8BAAAAf39/AAEAAABkAAAAAAAAABQAAABAHwAAAAAAACYAAAAAAAAAwOD//wAAAAAmAAAAZAAAABYAAABMAAAAAAAAAAAAAAAEAAAAAAAAAAEAAACAgIAKAAAAACgAAAAoAAAAZAAAAGQAAAAAAAAAzMzMAAAAAABQAAAAUAAAAGQAAABkAAAAAAAAABcAAAAUAAAAAAAAAAAAAAD/fwAA/38AAAAAAAAJAAAABAAAAAIAAAAeAAAAaAAAAAAAAAAAAAAAAAAAAAAAAAAAAAAAECcAABAnAAAAAAAAAAAAAAAAAAAAAAAAAAAAAAAAAAAAAAAAAAAAABQAAAAAAAAAwMD/AAAAAABkAAAAMgAAAAAAAABkAAAAAAAAAH9/fwAKAAAAIgAAABgAAAAAAAAAAAAAAAAAAAAAAAAAAAAAAAAAAAAkAAAAJAAAAAAAAAAHAAAAAAAAAAAAAAAAAAAAAAAAAAAAAAAAAAAAf39/ACUAAABYAAAAAAAAAAAAAAAAAAAAAAAAAAAAAAAAAAAAAAAAAAAAAAAAAAAAAAAAAAAAAAA/AAAAAAAAAKCGAQAAAAAAAAAAAAAAAAAMAAAAAQAAAAAAAAAAAAAAAAAAAB8AAABUAAAAAAAABQAAAAEAAAAAAAAAAAAAAAAAAAAAAAAAAAAAAAAAAAAAAAAAAAAAAAJ/f38AAAAAA8zMzADAwP8Af39/AAAAAAAAAAAAAAAAAAAAAAAAAAAAIQAAABgAAAAUAAAAwAMAALABAABARwAAuAgAAAAAAAAmAAAACAAAAAEAAAAAAAAAMAAAABQAAAAAAAAAAAD//wAAAQAAAP//AAABAA=="/>
+                <pr:smNativeData xmlns:pr="smNativeData" xmlns="smNativeData" val="SMDATA_16_oViJZxMAAAAlAAAAZAAAAA8BAAAAkAAAAEgAAACQAAAASAAAAAAAAAABAAAAAAAAAAEAAABQAAAAAAAAAAAA4D8AAAAAAADgPwAAAAAAAOA/AAAAAAAA4D8AAAAAAADgPwAAAAAAAOA/AAAAAAAA4D8AAAAAAADgPwAAAAAAAOA/AAAAAAAA4D8CAAAAjAAAAAAAAAAAAAAAu+DjDP///wgAAAAAAAAAAAAAAAAAAAAAAAAAAAAAAAAAAAAAZAAAAAEAAABAAAAAAAAAAAAAAAAAAAAAAAAAAAAAAAAAAAAAAAAAAAAAAAAAAAAAAAAAAAAAAAAAAAAAAAAAAAAAAAAAAAAAAAAAAAAAAAAAAAAAAAAAAAAAAAAAAAAAFAAAADwAAAAAAAAAAAAAAAAAAAkUAAAAAQAAABQAAAAUAAAAFAAAAAEAAAAAAAAAZAAAAGQAAAAAAAAAZAAAAGQAAAAVAAAAYAAAAAAAAAAAAAAADwAAACADAAAAAAAAAAAAAAEAAACgMgAAVgcAAKr4//8BAAAAf39/AAEAAABkAAAAAAAAABQAAABAHwAAAAAAACYAAAAAAAAAwOD//wAAAAAmAAAAZAAAABYAAABMAAAAAAAAAAAAAAAEAAAAAAAAAAEAAACAgIAKAAAAACgAAAAoAAAAZAAAAGQAAAAAAAAAzMzMAAAAAABQAAAAUAAAAGQAAABkAAAAAAAAABcAAAAUAAAAAAAAAAAAAAD/fwAA/38AAAAAAAAJAAAABAAAAAIAAAAeAAAAaAAAAAAAAAAAAAAAAAAAAAAAAAAAAAAAECcAABAnAAAAAAAAAAAAAAAAAAAAAAAAAAAAAAAAAAAAAAAAAAAAABQAAAAAAAAAwMD/AAAAAABkAAAAMgAAAAAAAABkAAAAAAAAAH9/fwAKAAAAIgAAABgAAAAAAAAAAAAAAAAAAAAAAAAAAAAAAAAAAAAkAAAAJAAAAAAAAAAHAAAAAAAAAAAAAAAAAAAAAAAAAAAAAAAAAAAAf39/ACUAAABYAAAAAAAAAAAAAAAAAAAAAAAAAAAAAAAAAAAAAAAAAAAAAAAAAAAAAAAAAAAAAAA/AAAAAAAAAKCGAQAAAAAAAAAAAAAAAAAMAAAAAQAAAAAAAAAAAAAAAAAAAB8AAABUAAAAAAAABQAAAAEAAAAAAAAAAAAAAAAAAAAAAAAAAAAAAAAAAAAAAAAAAAAAAAJ/f38AAAAAA8zMzADAwP8Af39/AAAAAAAAAAAAAAAAAAAAAAAAAAAAIQAAABgAAAAUAAAAwAMAALABAABARwAAuAgAABAAAAAmAAAACAAAAAAAAAAAAAAAMAAAABQAAAAAAAAAAAD//wAAAQAAAP//AAABAA=="/>
               </a:ext>
             </a:extLst>
           </p:cNvSpPr>
@@ -4435,12 +4415,7 @@
             <p:ph type="title"/>
           </p:nvPr>
         </p:nvSpPr>
-        <p:spPr>
-          <a:xfrm>
-            <a:off x="609600" y="274320"/>
-            <a:ext cx="10972800" cy="1143000"/>
-          </a:xfrm>
-        </p:spPr>
+        <p:spPr/>
         <p:txBody>
           <a:bodyPr/>
           <a:lstStyle/>
@@ -4459,7 +4434,7 @@
             <a:spLocks noGrp="1" noChangeArrowheads="1"/>
             <a:extLst>
               <a:ext uri="smNativeData">
-                <pr:smNativeData xmlns:pr="smNativeData" xmlns="smNativeData" val="SMDATA_16_jeCHZxMAAAAlAAAAZAAAAA8BAAAAkAAAAEgAAACQAAAASAAAAAAAAAAAAAAAAAAAAAEAAABQAAAAAAAAAAAA4D8AAAAAAADgPwAAAAAAAOA/AAAAAAAA4D8AAAAAAADgPwAAAAAAAOA/AAAAAAAA4D8AAAAAAADgPwAAAAAAAOA/AAAAAAAA4D8CAAAAjAAAAAAAAAAAAAAAu+DjDP///wgAAAAAAAAAAAAAAAAAAAAAAAAAAAAAAAAAAAAAZAAAAAEAAABAAAAAAAAAAAAAAAAAAAAAAAAAAAAAAAAAAAAAAAAAAAAAAAAAAAAAAAAAAAAAAAAAAAAAAAAAAAAAAAAAAAAAAAAAAAAAAAAAAAAAAAAAAAAAAAAAAAAAFAAAADwAAAAAAAAAAAAAAAAAAAkUAAAAAQAAABQAAAAUAAAAFAAAAAEAAAAAAAAAZAAAAGQAAAAAAAAAZAAAAGQAAAAVAAAAYAAAAAAAAAAAAAAADwAAACADAAAAAAAAAAAAAAEAAACgMgAAVgcAAKr4//8BAAAAf39/AAEAAABkAAAAAAAAABQAAABAHwAAAAAAACYAAAAAAAAAwOD//wAAAAAmAAAAZAAAABYAAABMAAAAAAAAAAAAAAAEAAAAAAAAAAEAAACAgIAKAAAAACgAAAAoAAAAZAAAAGQAAAAAAAAAzMzMAAAAAABQAAAAUAAAAGQAAABkAAAAAAAAABcAAAAUAAAAAAAAAAAAAAD/fwAA/38AAAAAAAAJAAAABAAAAGFzZWweAAAAaAAAAAAAAAAAAAAAAAAAAAAAAAAAAAAAECcAABAnAAAAAAAAAAAAAAAAAAAAAAAAAAAAAAAAAAAAAAAAAAAAABQAAAAAAAAAwMD/AAAAAABkAAAAMgAAAAAAAABkAAAAAAAAAH9/fwAKAAAAIgAAABgAAAAAAAAAAAAAAAAAAAAAAAAAAAAAAAAAAAAkAAAAJAAAAAAAAAAHAAAAAAAAAAAAAAAAAAAAAAAAAAAAAAAAAAAAf39/ACUAAABYAAAAAAAAAAAAAAAAAAAAAAAAAAAAAAAAAAAAAAAAAAAAAAAAAAAAAAAAAAAAAAA/AAAAAAAAAKCGAQAAAAAAAAAAAAAAAAAMAAAAAQAAAAAAAAAAAAAAAAAAAB8AAABUAAAAAAAABQAAAAEAAAAAAAAAAAAAAAAAAAAAAAAAAAAAAAAAAAAAAAAAAAAAAAJ/f38AAAAAA8zMzADAwP8Af39/AAAAAAAAAAAAAAAAAAAAAAAAAAAAIQAAABgAAAAUAAAAwAMAANgJAABARwAAsCUAAAAAAAAmAAAACAAAAAEAAAAAAAAAMAAAABQAAAAAAAAAAAD//wAAAQAAAP//AAABAA=="/>
+                <pr:smNativeData xmlns:pr="smNativeData" xmlns="smNativeData" val="SMDATA_16_oViJZxMAAAAlAAAAZAAAAA8BAAAAkAAAAEgAAACQAAAASAAAAAAAAAAAAAAAAAAAAAEAAABQAAAAAAAAAAAA4D8AAAAAAADgPwAAAAAAAOA/AAAAAAAA4D8AAAAAAADgPwAAAAAAAOA/AAAAAAAA4D8AAAAAAADgPwAAAAAAAOA/AAAAAAAA4D8CAAAAjAAAAAAAAAAAAAAAu+DjDP///wgAAAAAAAAAAAAAAAAAAAAAAAAAAAAAAAAAAAAAZAAAAAEAAABAAAAAAAAAAAAAAAAAAAAAAAAAAAAAAAAAAAAAAAAAAAAAAAAAAAAAAAAAAAAAAAAAAAAAAAAAAAAAAAAAAAAAAAAAAAAAAAAAAAAAAAAAAAAAAAAAAAAAFAAAADwAAAAAAAAAAAAAAAAAAAkUAAAAAQAAABQAAAAUAAAAFAAAAAEAAAAAAAAAZAAAAGQAAAAAAAAAZAAAAGQAAAAVAAAAYAAAAAAAAAAAAAAADwAAACADAAAAAAAAAAAAAAEAAACgMgAAVgcAAKr4//8BAAAAf39/AAEAAABkAAAAAAAAABQAAABAHwAAAAAAACYAAAAAAAAAwOD//wAAAAAmAAAAZAAAABYAAABMAAAAAAAAAAAAAAAEAAAAAAAAAAEAAACAgIAKAAAAACgAAAAoAAAAZAAAAGQAAAAAAAAAzMzMAAAAAABQAAAAUAAAAGQAAABkAAAAAAAAABcAAAAUAAAAAAAAAAAAAAD/fwAA/38AAAAAAAAJAAAABAAAAGFzZWweAAAAaAAAAAAAAAAAAAAAAAAAAAAAAAAAAAAAECcAABAnAAAAAAAAAAAAAAAAAAAAAAAAAAAAAAAAAAAAAAAAAAAAABQAAAAAAAAAwMD/AAAAAABkAAAAMgAAAAAAAABkAAAAAAAAAH9/fwAKAAAAIgAAABgAAAAAAAAAAAAAAAAAAAAAAAAAAAAAAAAAAAAkAAAAJAAAAAAAAAAHAAAAAAAAAAAAAAAAAAAAAAAAAAAAAAAAAAAAf39/ACUAAABYAAAAAAAAAAAAAAAAAAAAAAAAAAAAAAAAAAAAAAAAAAAAAAAAAAAAAAAAAAAAAAA/AAAAAAAAAKCGAQAAAAAAAAAAAAAAAAAMAAAAAQAAAAAAAAAAAAAAAAAAAB8AAABUAAAAAAAABQAAAAEAAAAAAAAAAAAAAAAAAAAAAAAAAAAAAAAAAAAAAAAAAAAAAAJ/f38AAAAAA8zMzADAwP8Af39/AAAAAAAAAAAAAAAAAAAAAAAAAAAAIQAAABgAAAAUAAAAwAMAANgJAABARwAAsCUAAAAAAAAmAAAACAAAAAEAAAAAAAAAMAAAABQAAAAAAAAAAAD//wAAAQAAAP//AAABAA=="/>
               </a:ext>
             </a:extLst>
           </p:cNvSpPr>
@@ -4479,6 +4454,7 @@
           <a:p>
             <a:pPr marL="0" indent="0">
               <a:buNone/>
+              <a:defRPr sz="3200" cap="none"/>
             </a:pPr>
             <a:r>
               <a:t>Результаты: “открытий” больше не стало, но субъективно улучшилась доля верных ответов, модель стала более прицельной.</a:t>
@@ -4487,14 +4463,10 @@
           <a:p>
             <a:pPr marL="0" indent="0">
               <a:buNone/>
+              <a:defRPr sz="3200" cap="none"/>
             </a:pPr>
-          </a:p>
-          <a:p>
-            <a:pPr marL="0" indent="0">
-              <a:buNone/>
-            </a:pPr>
-            <a:r>
-              <a:t>Практическое использование модели в течение нек. времени показало, что 100 % качество не достигается (и пользователь может отметить единицы объектов), но модель полезна. Можно сравнить с моделями распознавания пальцев или лиц: работает далеко не 100 %, но в работе помогает.</a:t>
+            <a:r>
+              <a:t>Практическое использование модели в течение нек. времени показало, что 100 % качество не достигается (и пользователь может отметить единицы объектов для тренировки модели), но модель полезна. Можно сравнить с моделями распознавания пальцев или лиц: работает далеко не 100 %, но в работе помогает.</a:t>
             </a:r>
           </a:p>
         </p:txBody>
@@ -4538,7 +4510,7 @@
             <a:spLocks noGrp="1" noChangeArrowheads="1"/>
             <a:extLst>
               <a:ext uri="smNativeData">
-                <pr:smNativeData xmlns:pr="smNativeData" xmlns="smNativeData" val="SMDATA_16_jeCHZxMAAAAlAAAAZAAAAA8BAAAAkAAAAEgAAACQAAAASAAAAAAAAAABAAAAAAAAAAEAAABQAAAAAAAAAAAA4D8AAAAAAADgPwAAAAAAAOA/AAAAAAAA4D8AAAAAAADgPwAAAAAAAOA/AAAAAAAA4D8AAAAAAADgPwAAAAAAAOA/AAAAAAAA4D8CAAAAjAAAAAAAAAAAAAAAu+DjDP///wgAAAAAAAAAAAAAAAAAAAAAAAAAAAAAAAAAAAAAZAAAAAEAAABAAAAAAAAAAAAAAAAAAAAAAAAAAAAAAAAAAAAAAAAAAAAAAAAAAAAAAAAAAAAAAAAAAAAAAAAAAAAAAAAAAAAAAAAAAAAAAAAAAAAAAAAAAAAAAAAAAAAAFAAAADwAAAAAAAAAAAAAAAAAAAkUAAAAAQAAABQAAAAUAAAAFAAAAAEAAAAAAAAAZAAAAGQAAAAAAAAAZAAAAGQAAAAVAAAAYAAAAAAAAAAAAAAADwAAACADAAAAAAAAAAAAAAEAAACgMgAAVgcAAKr4//8BAAAAf39/AAEAAABkAAAAAAAAABQAAABAHwAAAAAAACYAAAAAAAAAwOD//wAAAAAmAAAAZAAAABYAAABMAAAAAAAAAAAAAAAEAAAAAAAAAAEAAACAgIAKAAAAACgAAAAoAAAAZAAAAGQAAAAAAAAAzMzMAAAAAABQAAAAUAAAAGQAAABkAAAAAAAAABcAAAAUAAAAAAAAAAAAAAD/fwAA/38AAAAAAAAJAAAABAAAAAAAAAAeAAAAaAAAAAAAAAAAAAAAAAAAAAAAAAAAAAAAECcAABAnAAAAAAAAAAAAAAAAAAAAAAAAAAAAAAAAAAAAAAAAAAAAABQAAAAAAAAAwMD/AAAAAABkAAAAMgAAAAAAAABkAAAAAAAAAH9/fwAKAAAAIgAAABgAAAAAAAAAAAAAAAAAAAAAAAAAAAAAAAAAAAAkAAAAJAAAAAAAAAAHAAAAAAAAAAAAAAAAAAAAAAAAAAAAAAAAAAAAf39/ACUAAABYAAAAAAAAAAAAAAAAAAAAAAAAAAAAAAAAAAAAAAAAAAAAAAAAAAAAAAAAAAAAAAA/AAAAAAAAAKCGAQAAAAAAAAAAAAAAAAAMAAAAAQAAAAAAAAAAAAAAAAAAAB8AAABUAAAAAAAABQAAAAEAAAAAAAAAAAAAAAAAAAAAAAAAAAAAAAAAAAAAAAAAAAAAAAJ/f38AAAAAA8zMzADAwP8Af39/AAAAAAAAAAAAAAAAAAAAAAAAAAAAIQAAABgAAAAUAAAAwAMAALABAABARwAAuAgAABAAAAAmAAAACAAAAAAAAAAAAAAAMAAAABQAAAAAAAAAAAD//wAAAQAAAP//AAABAA=="/>
+                <pr:smNativeData xmlns:pr="smNativeData" xmlns="smNativeData" val="SMDATA_16_oViJZxMAAAAlAAAAZAAAAA8BAAAAkAAAAEgAAACQAAAASAAAAAAAAAABAAAAAAAAAAEAAABQAAAAAAAAAAAA4D8AAAAAAADgPwAAAAAAAOA/AAAAAAAA4D8AAAAAAADgPwAAAAAAAOA/AAAAAAAA4D8AAAAAAADgPwAAAAAAAOA/AAAAAAAA4D8CAAAAjAAAAAAAAAAAAAAAu+DjDP///wgAAAAAAAAAAAAAAAAAAAAAAAAAAAAAAAAAAAAAZAAAAAEAAABAAAAAAAAAAAAAAAAAAAAAAAAAAAAAAAAAAAAAAAAAAAAAAAAAAAAAAAAAAAAAAAAAAAAAAAAAAAAAAAAAAAAAAAAAAAAAAAAAAAAAAAAAAAAAAAAAAAAAFAAAADwAAAAAAAAAAAAAAAAAAAkUAAAAAQAAABQAAAAUAAAAFAAAAAEAAAAAAAAAZAAAAGQAAAAAAAAAZAAAAGQAAAAVAAAAYAAAAAAAAAAAAAAADwAAACADAAAAAAAAAAAAAAEAAACgMgAAVgcAAKr4//8BAAAAf39/AAEAAABkAAAAAAAAABQAAABAHwAAAAAAACYAAAAAAAAAwOD//wAAAAAmAAAAZAAAABYAAABMAAAAAAAAAAAAAAAEAAAAAAAAAAEAAACAgIAKAAAAACgAAAAoAAAAZAAAAGQAAAAAAAAAzMzMAAAAAABQAAAAUAAAAGQAAABkAAAAAAAAABcAAAAUAAAAAAAAAAAAAAD/fwAA/38AAAAAAAAJAAAABAAAAAAAAAAeAAAAaAAAAAAAAAAAAAAAAAAAAAAAAAAAAAAAECcAABAnAAAAAAAAAAAAAAAAAAAAAAAAAAAAAAAAAAAAAAAAAAAAABQAAAAAAAAAwMD/AAAAAABkAAAAMgAAAAAAAABkAAAAAAAAAH9/fwAKAAAAIgAAABgAAAAAAAAAAAAAAAAAAAAAAAAAAAAAAAAAAAAkAAAAJAAAAAAAAAAHAAAAAAAAAAAAAAAAAAAAAAAAAAAAAAAAAAAAf39/ACUAAABYAAAAAAAAAAAAAAAAAAAAAAAAAAAAAAAAAAAAAAAAAAAAAAAAAAAAAAAAAAAAAAA/AAAAAAAAAKCGAQAAAAAAAAAAAAAAAAAMAAAAAQAAAAAAAAAAAAAAAAAAAB8AAABUAAAAAAAABQAAAAEAAAAAAAAAAAAAAAAAAAAAAAAAAAAAAAAAAAAAAAAAAAAAAAJ/f38AAAAAA8zMzADAwP8Af39/AAAAAAAAAAAAAAAAAAAAAAAAAAAAIQAAABgAAAAUAAAAwAMAALABAABARwAAuAgAABAAAAAmAAAACAAAAAAAAAAAAAAAMAAAABQAAAAAAAAAAAD//wAAAQAAAP//AAABAA=="/>
               </a:ext>
             </a:extLst>
           </p:cNvSpPr>
@@ -4567,7 +4539,7 @@
             <a:spLocks noGrp="1" noChangeArrowheads="1"/>
             <a:extLst>
               <a:ext uri="smNativeData">
-                <pr:smNativeData xmlns:pr="smNativeData" xmlns="smNativeData" val="SMDATA_16_jeCHZxMAAAAlAAAAZAAAAA8BAAAAkAAAAEgAAACQAAAASAAAAAAAAAAAAAAAAAAAAAEAAABQAAAAAAAAAAAA4D8AAAAAAADgPwAAAAAAAOA/AAAAAAAA4D8AAAAAAADgPwAAAAAAAOA/AAAAAAAA4D8AAAAAAADgPwAAAAAAAOA/AAAAAAAA4D8CAAAAjAAAAAAAAAAAAAAAu+DjDP///wgAAAAAAAAAAAAAAAAAAAAAAAAAAAAAAAAAAAAAZAAAAAEAAABAAAAAAAAAAAAAAAAAAAAAAAAAAAAAAAAAAAAAAAAAAAAAAAAAAAAAAAAAAAAAAAAAAAAAAAAAAAAAAAAAAAAAAAAAAAAAAAAAAAAAAAAAAAAAAAAAAAAAFAAAADwAAAAAAAAAAAAAAAAAAAkUAAAAAQAAABQAAAAUAAAAFAAAAAEAAAAAAAAAZAAAAGQAAAAAAAAAZAAAAGQAAAAVAAAAYAAAAAAAAAAAAAAADwAAACADAAAAAAAAAAAAAAEAAACgMgAAVgcAAKr4//8BAAAAf39/AAEAAABkAAAAAAAAABQAAABAHwAAAAAAACYAAAAAAAAAwOD//wAAAAAmAAAAZAAAABYAAABMAAAAAAAAAAAAAAAEAAAAAAAAAAEAAACAgIAKAAAAACgAAAAoAAAAZAAAAGQAAAAAAAAAzMzMAAAAAABQAAAAUAAAAGQAAABkAAAAAAAAABcAAAAUAAAAAAAAAAAAAAD/fwAA/38AAAAAAAAJAAAABAAAAAAAAAAeAAAAaAAAAAAAAAAAAAAAAAAAAAAAAAAAAAAAECcAABAnAAAAAAAAAAAAAAAAAAAAAAAAAAAAAAAAAAAAAAAAAAAAABQAAAAAAAAAwMD/AAAAAABkAAAAMgAAAAAAAABkAAAAAAAAAH9/fwAKAAAAIgAAABgAAAAAAAAAAAAAAAAAAAAAAAAAAAAAAAAAAAAkAAAAJAAAAAAAAAAHAAAAAAAAAAAAAAAAAAAAAAAAAAAAAAAAAAAAf39/ACUAAABYAAAAAAAAAAAAAAAAAAAAAAAAAAAAAAAAAAAAAAAAAAAAAAAAAAAAAAAAAAAAAAA/AAAAAAAAAKCGAQAAAAAAAAAAAAAAAAAMAAAAAQAAAAAAAAAAAAAAAAAAAB8AAABUAAAAAAAABQAAAAEAAAAAAAAAAAAAAAAAAAAAAAAAAAAAAAAAAAAAAAAAAAAAAAJ/f38AAAAAA8zMzADAwP8Af39/AAAAAAAAAAAAAAAAAAAAAAAAAAAAIQAAABgAAAAUAAAAwAMAANgJAABARwAAsCUAABAAAAAmAAAACAAAAAAAAAAAAAAAMAAAABQAAAAAAAAAAAD//wAAAQAAAP//AAABAA=="/>
+                <pr:smNativeData xmlns:pr="smNativeData" xmlns="smNativeData" val="SMDATA_16_oViJZxMAAAAlAAAAZAAAAA8BAAAAkAAAAEgAAACQAAAASAAAAAAAAAAAAAAAAAAAAAEAAABQAAAAAAAAAAAA4D8AAAAAAADgPwAAAAAAAOA/AAAAAAAA4D8AAAAAAADgPwAAAAAAAOA/AAAAAAAA4D8AAAAAAADgPwAAAAAAAOA/AAAAAAAA4D8CAAAAjAAAAAAAAAAAAAAAu+DjDP///wgAAAAAAAAAAAAAAAAAAAAAAAAAAAAAAAAAAAAAZAAAAAEAAABAAAAAAAAAAAAAAAAAAAAAAAAAAAAAAAAAAAAAAAAAAAAAAAAAAAAAAAAAAAAAAAAAAAAAAAAAAAAAAAAAAAAAAAAAAAAAAAAAAAAAAAAAAAAAAAAAAAAAFAAAADwAAAAAAAAAAAAAAAAAAAkUAAAAAQAAABQAAAAUAAAAFAAAAAEAAAAAAAAAZAAAAGQAAAAAAAAAZAAAAGQAAAAVAAAAYAAAAAAAAAAAAAAADwAAACADAAAAAAAAAAAAAAEAAACgMgAAVgcAAKr4//8BAAAAf39/AAEAAABkAAAAAAAAABQAAABAHwAAAAAAACYAAAAAAAAAwOD//wAAAAAmAAAAZAAAABYAAABMAAAAAAAAAAAAAAAEAAAAAAAAAAEAAACAgIAKAAAAACgAAAAoAAAAZAAAAGQAAAAAAAAAzMzMAAAAAABQAAAAUAAAAGQAAABkAAAAAAAAABcAAAAUAAAAAAAAAAAAAAD/fwAA/38AAAAAAAAJAAAABAAAAAAAAAAeAAAAaAAAAAAAAAAAAAAAAAAAAAAAAAAAAAAAECcAABAnAAAAAAAAAAAAAAAAAAAAAAAAAAAAAAAAAAAAAAAAAAAAABQAAAAAAAAAwMD/AAAAAABkAAAAMgAAAAAAAABkAAAAAAAAAH9/fwAKAAAAIgAAABgAAAAAAAAAAAAAAAAAAAAAAAAAAAAAAAAAAAAkAAAAJAAAAAAAAAAHAAAAAAAAAAAAAAAAAAAAAAAAAAAAAAAAAAAAf39/ACUAAABYAAAAAAAAAAAAAAAAAAAAAAAAAAAAAAAAAAAAAAAAAAAAAAAAAAAAAAAAAAAAAAA/AAAAAAAAAKCGAQAAAAAAAAAAAAAAAAAMAAAAAQAAAAAAAAAAAAAAAAAAAB8AAABUAAAAAAAABQAAAAEAAAAAAAAAAAAAAAAAAAAAAAAAAAAAAAAAAAAAAAAAAAAAAAJ/f38AAAAAA8zMzADAwP8Af39/AAAAAAAAAAAAAAAAAAAAAAAAAAAAIQAAABgAAAAUAAAAwAMAANgJAABARwAAsCUAABAAAAAmAAAACAAAAAAAAAAAAAAAMAAAABQAAAAAAAAAAAD//wAAAQAAAP//AAABAA=="/>
               </a:ext>
             </a:extLst>
           </p:cNvSpPr>
@@ -5545,6 +5517,47 @@
       </a:clrScheme>
       <a:clrMap bg1="lt1" tx1="dk1" bg2="lt2" tx2="dk2" accent1="accent1" accent2="accent2" accent3="accent3" accent4="accent4" accent5="accent5" accent6="accent6" hlink="hlink" folHlink="folHlink"/>
     </a:extraClrScheme>
+    <a:extraClrScheme>
+      <a:clrScheme name="Presentation 17">
+        <a:dk1>
+          <a:srgbClr val="000000"/>
+        </a:dk1>
+        <a:lt1>
+          <a:srgbClr val="FFFFFF"/>
+        </a:lt1>
+        <a:dk2>
+          <a:srgbClr val="000000"/>
+        </a:dk2>
+        <a:lt2>
+          <a:srgbClr val="808080"/>
+        </a:lt2>
+        <a:accent1>
+          <a:srgbClr val="BBE0E3"/>
+        </a:accent1>
+        <a:accent2>
+          <a:srgbClr val="333399"/>
+        </a:accent2>
+        <a:accent3>
+          <a:srgbClr val="535379"/>
+        </a:accent3>
+        <a:accent4>
+          <a:srgbClr val="737359"/>
+        </a:accent4>
+        <a:accent5>
+          <a:srgbClr val="939339"/>
+        </a:accent5>
+        <a:accent6>
+          <a:srgbClr val="B3B319"/>
+        </a:accent6>
+        <a:hlink>
+          <a:srgbClr val="009999"/>
+        </a:hlink>
+        <a:folHlink>
+          <a:srgbClr val="99CC00"/>
+        </a:folHlink>
+      </a:clrScheme>
+      <a:clrMap bg1="lt1" tx1="dk1" bg2="lt2" tx2="dk2" accent1="accent1" accent2="accent2" accent3="accent3" accent4="accent4" accent5="accent5" accent6="accent6" hlink="hlink" folHlink="folHlink"/>
+    </a:extraClrScheme>
   </a:extraClrSchemeLst>
 </a:theme>
 </file>
--- a/Diploma/User cases при использовании моделей.pptx
+++ b/Diploma/User cases при использовании моделей.pptx
@@ -11,8 +11,10 @@
     <p:sldId id="260" r:id="rId9"/>
     <p:sldId id="259" r:id="rId10"/>
     <p:sldId id="261" r:id="rId11"/>
-    <p:sldId id="262" r:id="rId12"/>
-    <p:sldId id="263" r:id="rId13"/>
+    <p:sldId id="264" r:id="rId12"/>
+    <p:sldId id="265" r:id="rId13"/>
+    <p:sldId id="262" r:id="rId14"/>
+    <p:sldId id="263" r:id="rId15"/>
   </p:sldIdLst>
   <p:sldSz cx="12192000" cy="6858000"/>
   <p:notesSz cx="6858000" cy="12192000"/>
@@ -243,7 +245,7 @@
             <a:spLocks noGrp="1" noChangeArrowheads="1"/>
             <a:extLst>
               <a:ext uri="smNativeData">
-                <pr:smNativeData xmlns:pr="smNativeData" xmlns="smNativeData" val="SMDATA_16_oViJZxMAAAAlAAAAZAAAAA8BAAAAkAAAAEgAAACQAAAASAAAAAAAAAABAAAAAAAAAAEAAABQAAAAAAAAAAAA4D8AAAAAAADgPwAAAAAAAOA/AAAAAAAA4D8AAAAAAADgPwAAAAAAAOA/AAAAAAAA4D8AAAAAAADgPwAAAAAAAOA/AAAAAAAA4D8CAAAAjAAAAAAAAAAAAAAAu+DjDP///wgAAAAAAAAAAAAAAAAAAAAAAAAAAAAAAAAAAAAAZAAAAAEAAABAAAAAAAAAAAAAAAAAAAAAAAAAAAAAAAAAAAAAAAAAAAAAAAAAAAAAAAAAAAAAAAAAAAAAAAAAAAAAAAAAAAAAAAAAAAAAAAAAAAAAAAAAAAAAAAAAAAAAFAAAADwAAAAAAAAAAAAAAAAAAAkUAAAAAQAAABQAAAAUAAAAFAAAAAEAAAAAAAAAZAAAAGQAAAAAAAAAZAAAAGQAAAAVAAAAYAAAAAAAAAAAAAAADwAAACADAAAAAAAAAAAAAAEAAACgMgAAVgcAAKr4//8BAAAAf39/AAEAAABkAAAAAAAAABQAAABAHwAAAAAAACYAAAAAAAAAwOD//wAAAAAmAAAAZAAAABYAAABMAAAAAAAAAAAAAAAEAAAAAAAAAAEAAACAgIAKAAAAACgAAAAoAAAAZAAAAGQAAAAAAAAAzMzMAAAAAABQAAAAUAAAAGQAAABkAAAAAAAAABcAAAAUAAAAAAAAAAAAAAD/fwAA/38AAAAAAAAJAAAABAAAAAAAAAAeAAAAaAAAAAAAAAAAAAAAAAAAAAAAAAAAAAAAECcAABAnAAAAAAAAAAAAAAAAAAAAAAAAAAAAAAAAAAAAAAAAAAAAABQAAAAAAAAAwMD/AAAAAABkAAAAMgAAAAAAAABkAAAAAAAAAH9/fwAKAAAAIgAAABgAAAAAAAAAAAAAAAAAAAAAAAAAAAAAAAAAAAAkAAAAJAAAAAAAAAAHAAAAAAAAAAAAAAAAAAAAAAAAAAAAAAAAAAAAf39/ACUAAABYAAAAAAAAAAAAAAAAAAAAAAAAAAAAAAAAAAAAAAAAAAAAAAAAAAAAAAAAAAAAAAA/AAAAAAAAAKCGAQAAAAAAAAAAAAAAAAAMAAAAAQAAAAAAAAAAAAAAAAAAAB8AAABUAAAAAAAABQAAAAEAAAAAAAAAAAAAAAAAAAAAAAAAAAAAAAAAAAAAAAAAAAAAAAJ/f38AAAAAA8zMzADAwP8Af39/AAAAAAAAAAAAAAAAAAAAAAAAAAAAIQAAABgAAAAUAAAAoAUAABoNAABgRQAAJhYAABAAAAAmAAAACAAAAAEAAAAAAAAAMAAAABQAAAAAAAAAAAD//wAAAQAAAP//AAABAA=="/>
+                <pr:smNativeData xmlns:pr="smNativeData" xmlns="smNativeData" val="SMDATA_16_zLafZxMAAAAlAAAAZAAAAA8BAAAAkAAAAEgAAACQAAAASAAAAAAAAAABAAAAAAAAAAEAAABQAAAAAAAAAAAA4D8AAAAAAADgPwAAAAAAAOA/AAAAAAAA4D8AAAAAAADgPwAAAAAAAOA/AAAAAAAA4D8AAAAAAADgPwAAAAAAAOA/AAAAAAAA4D8CAAAAjAAAAAAAAAAAAAAAu+DjDP///wgAAAAAAAAAAAAAAAAAAAAAAAAAAAAAAAAAAAAAZAAAAAEAAABAAAAAAAAAAAAAAAAAAAAAAAAAAAAAAAAAAAAAAAAAAAAAAAAAAAAAAAAAAAAAAAAAAAAAAAAAAAAAAAAAAAAAAAAAAAAAAAAAAAAAAAAAAAAAAAAAAAAAFAAAADwAAAAAAAAAAAAAAAAAAAkUAAAAAQAAABQAAAAUAAAAFAAAAAEAAAAAAAAAZAAAAGQAAAAAAAAAZAAAAGQAAAAVAAAAYAAAAAAAAAAAAAAADwAAACADAAAAAAAAAAAAAAEAAACgMgAAVgcAAKr4//8BAAAAf39/AAEAAABkAAAAAAAAABQAAABAHwAAAAAAACYAAAAAAAAAwOD//wAAAAAmAAAAZAAAABYAAABMAAAAAAAAAAAAAAAEAAAAAAAAAAEAAACAgIAKAAAAACgAAAAoAAAAZAAAAGQAAAAAAAAAzMzMAAAAAABQAAAAUAAAAGQAAABkAAAAAAAAABcAAAAUAAAAAAAAAAAAAAD/fwAA/38AAAAAAAAJAAAABAAAAAAAAAAeAAAAaAAAAAAAAAAAAAAAAAAAAAAAAAAAAAAAECcAABAnAAAAAAAAAAAAAAAAAAAAAAAAAAAAAAAAAAAAAAAAAAAAABQAAAAAAAAAwMD/AAAAAABkAAAAMgAAAAAAAABkAAAAAAAAAH9/fwAKAAAAIgAAABgAAAAAAAAAAAAAAAAAAAAAAAAAAAAAAAAAAAAkAAAAJAAAAAAAAAAHAAAAAAAAAAAAAAAAAAAAAAAAAAAAAAAAAAAAf39/ACUAAABYAAAAAAAAAAAAAAAAAAAAAAAAAAAAAAAAAAAAAAAAAAAAAAAAAAAAAAAAAAAAAAA/AAAAAAAAAKCGAQAAAAAAAAAAAAAAAAAMAAAAAQAAAAAAAAAAAAAAAAAAAB8AAABUAAAAAAAABQAAAAEAAAAAAAAAAAAAAAAAAAAAAAAAAAAAAAAAAAAAAAAAAAAAAAJ/f38AAAAAA8zMzADAwP8Af39/AAAAAAAAAAAAAAAAAAAAAAAAAAAAIQAAABgAAAAUAAAAoAUAABoNAABgRQAAJhYAABAAAAAmAAAACAAAAAEAAAAAAAAAMAAAABQAAAAAAAAAAAD//wAAAQAAAP//AAABAA=="/>
               </a:ext>
             </a:extLst>
           </p:cNvSpPr>
@@ -275,7 +277,7 @@
             <a:spLocks noGrp="1" noChangeArrowheads="1"/>
             <a:extLst>
               <a:ext uri="smNativeData">
-                <pr:smNativeData xmlns:pr="smNativeData" xmlns="smNativeData" val="SMDATA_16_oViJZxMAAAAlAAAAZAAAAA8BAAAAkAAAAEgAAACQAAAASAAAAAAAAAAAAAAAAAAAAAEAAABQAAAAAAAAAAAA4D8AAAAAAADgPwAAAAAAAOA/AAAAAAAA4D8AAAAAAADgPwAAAAAAAOA/AAAAAAAA4D8AAAAAAADgPwAAAAAAAOA/AAAAAAAA4D8CAAAAjAAAAAAAAAAAAAAAu+DjDP///wgAAAAAAAAAAAAAAAAAAAAAAAAAAAAAAAAAAAAAZAAAAAEAAABAAAAAAAAAAAAAAAAAAAAAAAAAAAAAAAAAAAAAAAAAAAAAAAAAAAAAAAAAAAAAAAAAAAAAAAAAAAAAAAAAAAAAAAAAAAAAAAAAAAAAAAAAAAAAAAAAAAAAFAAAADwAAAAAAAAAAAAAAAAAAAkUAAAAAQAAABQAAAAUAAAAFAAAAAEAAAAAAAAAZAAAAGQAAAAAAAAAZAAAAGQAAAAVAAAAYAAAAAAAAAAAAAAADwAAACADAAAAAAAAAAAAAAEAAACgMgAAVgcAAKr4//8BAAAAf39/AAEAAABkAAAAAAAAABQAAABAHwAAAAAAACYAAAAAAAAAwOD//wAAAAAmAAAAZAAAABYAAABMAAAAAAAAAAAAAAAEAAAAAAAAAAEAAACAgIAKAAAAACgAAAAoAAAAZAAAAGQAAAAAAAAAzMzMAAAAAABQAAAAUAAAAGQAAABkAAAAAAAAABcAAAAUAAAAAAAAAAAAAAD/fwAA/38AAAAAAAAJAAAABAAAAAAAAAAeAAAAaAAAAAAAAAAAAAAAAAAAAAAAAAAAAAAAECcAABAnAAAAAAAAAAAAAAAAAAAAAAAAAAAAAAAAAAAAAAAAAAAAABQAAAAAAAAAwMD/AAAAAABkAAAAMgAAAAAAAABkAAAAAAAAAH9/fwAKAAAAIgAAABgAAAAAAAAAAAAAAAAAAAAAAAAAAAAAAAAAAAAkAAAAJAAAAAAAAAAHAAAAAAAAAAAAAAAAAAAAAAAAAAAAAAAAAAAAf39/ACUAAABYAAAAAAAAAAAAAAAAAAAAAAAAAAAAAAAAAAAAAAAAAAAAAAAAAAAAAAAAAAAAAAA/AAAAAAAAAKCGAQAAAAAAAAAAAAAAAAAMAAAAAQAAAAAAAAAAAAAAAAAAAB8AAABUAAAAAAAABQAAAAEAAAAAAAAAAAAAAAAAAAAAAAAAAAAAAAAAAAAAAAAAAAAAAAJ/f38AAAAAA8zMzADAwP8Af39/AAAAAAAAAAAAAAAAAAAAAAAAAAAAIQAAABgAAAAUAAAAQAsAAOgXAADAPwAAsCIAABAAAAAmAAAACAAAAAGAAAAAAAAAMAAAABQAAAAAAAAAAAD//wAAAQAAAP//AAABAA=="/>
+                <pr:smNativeData xmlns:pr="smNativeData" xmlns="smNativeData" val="SMDATA_16_zLafZxMAAAAlAAAAZAAAAA8BAAAAkAAAAEgAAACQAAAASAAAAAAAAAAAAAAAAAAAAAEAAABQAAAAAAAAAAAA4D8AAAAAAADgPwAAAAAAAOA/AAAAAAAA4D8AAAAAAADgPwAAAAAAAOA/AAAAAAAA4D8AAAAAAADgPwAAAAAAAOA/AAAAAAAA4D8CAAAAjAAAAAAAAAAAAAAAu+DjDP///wgAAAAAAAAAAAAAAAAAAAAAAAAAAAAAAAAAAAAAZAAAAAEAAABAAAAAAAAAAAAAAAAAAAAAAAAAAAAAAAAAAAAAAAAAAAAAAAAAAAAAAAAAAAAAAAAAAAAAAAAAAAAAAAAAAAAAAAAAAAAAAAAAAAAAAAAAAAAAAAAAAAAAFAAAADwAAAAAAAAAAAAAAAAAAAkUAAAAAQAAABQAAAAUAAAAFAAAAAEAAAAAAAAAZAAAAGQAAAAAAAAAZAAAAGQAAAAVAAAAYAAAAAAAAAAAAAAADwAAACADAAAAAAAAAAAAAAEAAACgMgAAVgcAAKr4//8BAAAAf39/AAEAAABkAAAAAAAAABQAAABAHwAAAAAAACYAAAAAAAAAwOD//wAAAAAmAAAAZAAAABYAAABMAAAAAAAAAAAAAAAEAAAAAAAAAAEAAACAgIAKAAAAACgAAAAoAAAAZAAAAGQAAAAAAAAAzMzMAAAAAABQAAAAUAAAAGQAAABkAAAAAAAAABcAAAAUAAAAAAAAAAAAAAD/fwAA/38AAAAAAAAJAAAABAAAAAAAAAAeAAAAaAAAAAAAAAAAAAAAAAAAAAAAAAAAAAAAECcAABAnAAAAAAAAAAAAAAAAAAAAAAAAAAAAAAAAAAAAAAAAAAAAABQAAAAAAAAAwMD/AAAAAABkAAAAMgAAAAAAAABkAAAAAAAAAH9/fwAKAAAAIgAAABgAAAAAAAAAAAAAAAAAAAAAAAAAAAAAAAAAAAAkAAAAJAAAAAAAAAAHAAAAAAAAAAAAAAAAAAAAAAAAAAAAAAAAAAAAf39/ACUAAABYAAAAAAAAAAAAAAAAAAAAAAAAAAAAAAAAAAAAAAAAAAAAAAAAAAAAAAAAAAAAAAA/AAAAAAAAAKCGAQAAAAAAAAAAAAAAAAAMAAAAAQAAAAAAAAAAAAAAAAAAAB8AAABUAAAAAAAABQAAAAEAAAAAAAAAAAAAAAAAAAAAAAAAAAAAAAAAAAAAAAAAAAAAAAJ/f38AAAAAA8zMzADAwP8Af39/AAAAAAAAAAAAAAAAAAAAAAAAAAAAIQAAABgAAAAUAAAAQAsAAOgXAADAPwAAsCIAABAAAAAmAAAACAAAAAGAAAAAAAAAMAAAABQAAAAAAAAAAAD//wAAAQAAAP//AAABAA=="/>
               </a:ext>
             </a:extLst>
           </p:cNvSpPr>
@@ -335,7 +337,7 @@
             <a:spLocks noGrp="1" noChangeArrowheads="1"/>
             <a:extLst>
               <a:ext uri="smNativeData">
-                <pr:smNativeData xmlns:pr="smNativeData" xmlns="smNativeData" val="SMDATA_16_oViJZxMAAAAlAAAAZAAAAA8BAAAAkAAAAEgAAACQAAAASAAAAAAAAAABAAAAAAAAAAEAAABQAAAAAAAAAAAA4D8AAAAAAADgPwAAAAAAAOA/AAAAAAAA4D8AAAAAAADgPwAAAAAAAOA/AAAAAAAA4D8AAAAAAADgPwAAAAAAAOA/AAAAAAAA4D8CAAAAjAAAAAAAAAAAAAAAu+DjDP///wgAAAAAAAAAAAAAAAAAAAAAAAAAAAAAAAAAAAAAZAAAAAEAAABAAAAAAAAAAAAAAAAAAAAAAAAAAAAAAAAAAAAAAAAAAAAAAAAAAAAAAAAAAAAAAAAAAAAAAAAAAAAAAAAAAAAAAAAAAAAAAAAAAAAAAAAAAAAAAAAAAAAAFAAAADwAAAAAAAAAAAAAAAAAAAkUAAAAAQAAABQAAAAUAAAAFAAAAAEAAAAAAAAAZAAAAGQAAAAAAAAAZAAAAGQAAAAVAAAAYAAAAAAAAAAAAAAADwAAACADAAAAAAAAAAAAAAEAAACgMgAAVgcAAKr4//8BAAAAf39/AAEAAABkAAAAAAAAABQAAABAHwAAAAAAACYAAAAAAAAAwOD//wAAAAAmAAAAZAAAABYAAABMAAAAAAAAAAAAAAAEAAAAAAAAAAEAAACAgIAKAAAAACgAAAAoAAAAZAAAAGQAAAAAAAAAzMzMAAAAAABQAAAAUAAAAGQAAABkAAAAAAAAABcAAAAUAAAAAAAAAAAAAAD/fwAA/38AAAAAAAAJAAAABAAAAAAAAAAeAAAAaAAAAAAAAAAAAAAAAAAAAAAAAAAAAAAAECcAABAnAAAAAAAAAAAAAAAAAAAAAAAAAAAAAAAAAAAAAAAAAAAAABQAAAAAAAAAwMD/AAAAAABkAAAAMgAAAAAAAABkAAAAAAAAAH9/fwAKAAAAIgAAABgAAAAAAAAAAAAAAAAAAAAAAAAAAAAAAAAAAAAkAAAAJAAAAAAAAAAHAAAAAAAAAAAAAAAAAAAAAAAAAAAAAAAAAAAAf39/ACUAAABYAAAAAAAAAAAAAAAAAAAAAAAAAAAAAAAAAAAAAAAAAAAAAAAAAAAAAAAAAAAAAAA/AAAAAAAAAKCGAQAAAAAAAAAAAAAAAAAMAAAAAQAAAAAAAAAAAAAAAAAAAB8AAABUAAAAAAAABQAAAAEAAAAAAAAAAAAAAAAAAAAAAAAAAAAAAAAAAAAAAAAAAAAAAAJ/f38AAAAAA8zMzADAwP8Af39/AAAAAAAAAAAAAAAAAAAAAAAAAAAAIQAAABgAAAAUAAAAwAMAABsnAAA/FQAAWSkAABAAAAAmAAAACAAAAAAAAAAAAAAAMAAAABQAAAAAAAAAAAD//wAAAQAAAP//AAABAA=="/>
+                <pr:smNativeData xmlns:pr="smNativeData" xmlns="smNativeData" val="SMDATA_16_zLafZxMAAAAlAAAAZAAAAA8BAAAAkAAAAEgAAACQAAAASAAAAAAAAAABAAAAAAAAAAEAAABQAAAAAAAAAAAA4D8AAAAAAADgPwAAAAAAAOA/AAAAAAAA4D8AAAAAAADgPwAAAAAAAOA/AAAAAAAA4D8AAAAAAADgPwAAAAAAAOA/AAAAAAAA4D8CAAAAjAAAAAAAAAAAAAAAu+DjDP///wgAAAAAAAAAAAAAAAAAAAAAAAAAAAAAAAAAAAAAZAAAAAEAAABAAAAAAAAAAAAAAAAAAAAAAAAAAAAAAAAAAAAAAAAAAAAAAAAAAAAAAAAAAAAAAAAAAAAAAAAAAAAAAAAAAAAAAAAAAAAAAAAAAAAAAAAAAAAAAAAAAAAAFAAAADwAAAAAAAAAAAAAAAAAAAkUAAAAAQAAABQAAAAUAAAAFAAAAAEAAAAAAAAAZAAAAGQAAAAAAAAAZAAAAGQAAAAVAAAAYAAAAAAAAAAAAAAADwAAACADAAAAAAAAAAAAAAEAAACgMgAAVgcAAKr4//8BAAAAf39/AAEAAABkAAAAAAAAABQAAABAHwAAAAAAACYAAAAAAAAAwOD//wAAAAAmAAAAZAAAABYAAABMAAAAAAAAAAAAAAAEAAAAAAAAAAEAAACAgIAKAAAAACgAAAAoAAAAZAAAAGQAAAAAAAAAzMzMAAAAAABQAAAAUAAAAGQAAABkAAAAAAAAABcAAAAUAAAAAAAAAAAAAAD/fwAA/38AAAAAAAAJAAAABAAAAAAAAAAeAAAAaAAAAAAAAAAAAAAAAAAAAAAAAAAAAAAAECcAABAnAAAAAAAAAAAAAAAAAAAAAAAAAAAAAAAAAAAAAAAAAAAAABQAAAAAAAAAwMD/AAAAAABkAAAAMgAAAAAAAABkAAAAAAAAAH9/fwAKAAAAIgAAABgAAAAAAAAAAAAAAAAAAAAAAAAAAAAAAAAAAAAkAAAAJAAAAAAAAAAHAAAAAAAAAAAAAAAAAAAAAAAAAAAAAAAAAAAAf39/ACUAAABYAAAAAAAAAAAAAAAAAAAAAAAAAAAAAAAAAAAAAAAAAAAAAAAAAAAAAAAAAAAAAAA/AAAAAAAAAKCGAQAAAAAAAAAAAAAAAAAMAAAAAQAAAAAAAAAAAAAAAAAAAB8AAABUAAAAAAAABQAAAAEAAAAAAAAAAAAAAAAAAAAAAAAAAAAAAAAAAAAAAAAAAAAAAAJ/f38AAAAAA8zMzADAwP8Af39/AAAAAAAAAAAAAAAAAAAAAAAAAAAAIQAAABgAAAAUAAAAwAMAABsnAAA/FQAAWSkAABAAAAAmAAAACAAAAAAAAAAAAAAAMAAAABQAAAAAAAAAAAD//wAAAQAAAP//AAABAA=="/>
               </a:ext>
             </a:extLst>
           </p:cNvSpPr>
@@ -349,7 +351,7 @@
           <a:lstStyle/>
           <a:p>
             <a:pPr/>
-            <a:fld id="{3D8E51DE-90D0-DBA7-9E36-66F21F786833}" type="datetime1">
+            <a:fld id="{3FC49402-4CD2-9162-9C7C-BA37DA326AEF}" type="datetime1">
               <a:t/>
             </a:fld>
           </a:p>
@@ -362,7 +364,7 @@
             <a:spLocks noGrp="1" noChangeArrowheads="1"/>
             <a:extLst>
               <a:ext uri="smNativeData">
-                <pr:smNativeData xmlns:pr="smNativeData" xmlns="smNativeData" val="SMDATA_16_oViJZxMAAAAlAAAAZAAAAA8BAAAAkAAAAEgAAACQAAAASAAAAAAAAAABAAAAAAAAAAEAAABQAAAAAAAAAAAA4D8AAAAAAADgPwAAAAAAAOA/AAAAAAAA4D8AAAAAAADgPwAAAAAAAOA/AAAAAAAA4D8AAAAAAADgPwAAAAAAAOA/AAAAAAAA4D8CAAAAjAAAAAAAAAAAAAAAu+DjDP///wgAAAAAAAAAAAAAAAAAAAAAAAAAAAAAAAAAAAAAZAAAAAEAAABAAAAAAAAAAAAAAAAAAAAAAAAAAAAAAAAAAAAAAAAAAAAAAAAAAAAAAAAAAAAAAAAAAAAAAAAAAAAAAAAAAAAAAAAAAAAAAAAAAAAAAAAAAAAAAAAAAAAAFAAAADwAAAAAAAAAAAAAAAAAAAkUAAAAAQAAABQAAAAUAAAAFAAAAAEAAAAAAAAAZAAAAGQAAAAAAAAAZAAAAGQAAAAVAAAAYAAAAAAAAAAAAAAADwAAACADAAAAAAAAAAAAAAEAAACgMgAAVgcAAKr4//8BAAAAf39/AAEAAABkAAAAAAAAABQAAABAHwAAAAAAACYAAAAAAAAAwOD//wAAAAAmAAAAZAAAABYAAABMAAAAAAAAAAAAAAAEAAAAAAAAAAEAAACAgIAKAAAAACgAAAAoAAAAZAAAAGQAAAAAAAAAzMzMAAAAAABQAAAAUAAAAGQAAABkAAAAAAAAABcAAAAUAAAAAAAAAAAAAAD/fwAA/38AAAAAAAAJAAAABAAAAAAAAAAeAAAAaAAAAAAAAAAAAAAAAAAAAAAAAAAAAAAAECcAABAnAAAAAAAAAAAAAAAAAAAAAAAAAAAAAAAAAAAAAAAAAAAAABQAAAAAAAAAwMD/AAAAAABkAAAAMgAAAAAAAABkAAAAAAAAAH9/fwAKAAAAIgAAABgAAAAAAAAAAAAAAAAAAAAAAAAAAAAAAAAAAAAkAAAAJAAAAAAAAAAHAAAAAAAAAAAAAAAAAAAAAAAAAAAAAAAAAAAAf39/ACUAAABYAAAAAAAAAAAAAAAAAAAAAAAAAAAAAAAAAAAAAAAAAAAAAAAAAAAAAAAAAAAAAAA/AAAAAAAAAKCGAQAAAAAAAAAAAAAAAAAMAAAAAQAAAAAAAAAAAAAAAAAAAB8AAABUAAAAAAAABQAAAAEAAAAAAAAAAAAAAAAAAAAAAAAAAAAAAAAAAAAAAAAAAAAAAAJ/f38AAAAAA8zMzADAwP8Af39/AAAAAAAAAAAAAAAAAAAAAAAAAAAAIQAAABgAAAAUAAAAoRkAABsnAABfMQAAWSkAABAAAAAmAAAACAAAAAAAAAAAAAAAMAAAABQAAAAAAAAAAAD//wAAAQAAAP//AAABAA=="/>
+                <pr:smNativeData xmlns:pr="smNativeData" xmlns="smNativeData" val="SMDATA_16_zLafZxMAAAAlAAAAZAAAAA8BAAAAkAAAAEgAAACQAAAASAAAAAAAAAABAAAAAAAAAAEAAABQAAAAAAAAAAAA4D8AAAAAAADgPwAAAAAAAOA/AAAAAAAA4D8AAAAAAADgPwAAAAAAAOA/AAAAAAAA4D8AAAAAAADgPwAAAAAAAOA/AAAAAAAA4D8CAAAAjAAAAAAAAAAAAAAAu+DjDP///wgAAAAAAAAAAAAAAAAAAAAAAAAAAAAAAAAAAAAAZAAAAAEAAABAAAAAAAAAAAAAAAAAAAAAAAAAAAAAAAAAAAAAAAAAAAAAAAAAAAAAAAAAAAAAAAAAAAAAAAAAAAAAAAAAAAAAAAAAAAAAAAAAAAAAAAAAAAAAAAAAAAAAFAAAADwAAAAAAAAAAAAAAAAAAAkUAAAAAQAAABQAAAAUAAAAFAAAAAEAAAAAAAAAZAAAAGQAAAAAAAAAZAAAAGQAAAAVAAAAYAAAAAAAAAAAAAAADwAAACADAAAAAAAAAAAAAAEAAACgMgAAVgcAAKr4//8BAAAAf39/AAEAAABkAAAAAAAAABQAAABAHwAAAAAAACYAAAAAAAAAwOD//wAAAAAmAAAAZAAAABYAAABMAAAAAAAAAAAAAAAEAAAAAAAAAAEAAACAgIAKAAAAACgAAAAoAAAAZAAAAGQAAAAAAAAAzMzMAAAAAABQAAAAUAAAAGQAAABkAAAAAAAAABcAAAAUAAAAAAAAAAAAAAD/fwAA/38AAAAAAAAJAAAABAAAAAAAAAAeAAAAaAAAAAAAAAAAAAAAAAAAAAAAAAAAAAAAECcAABAnAAAAAAAAAAAAAAAAAAAAAAAAAAAAAAAAAAAAAAAAAAAAABQAAAAAAAAAwMD/AAAAAABkAAAAMgAAAAAAAABkAAAAAAAAAH9/fwAKAAAAIgAAABgAAAAAAAAAAAAAAAAAAAAAAAAAAAAAAAAAAAAkAAAAJAAAAAAAAAAHAAAAAAAAAAAAAAAAAAAAAAAAAAAAAAAAAAAAf39/ACUAAABYAAAAAAAAAAAAAAAAAAAAAAAAAAAAAAAAAAAAAAAAAAAAAAAAAAAAAAAAAAAAAAA/AAAAAAAAAKCGAQAAAAAAAAAAAAAAAAAMAAAAAQAAAAAAAAAAAAAAAAAAAB8AAABUAAAAAAAABQAAAAEAAAAAAAAAAAAAAAAAAAAAAAAAAAAAAAAAAAAAAAAAAAAAAAJ/f38AAAAAA8zMzADAwP8Af39/AAAAAAAAAAAAAAAAAAAAAAAAAAAAIQAAABgAAAAUAAAAoRkAABsnAABfMQAAWSkAABAAAAAmAAAACAAAAAAAAAAAAAAAMAAAABQAAAAAAAAAAAD//wAAAQAAAP//AAABAA=="/>
               </a:ext>
             </a:extLst>
           </p:cNvSpPr>
@@ -386,7 +388,7 @@
             <a:spLocks noGrp="1" noChangeArrowheads="1"/>
             <a:extLst>
               <a:ext uri="smNativeData">
-                <pr:smNativeData xmlns:pr="smNativeData" xmlns="smNativeData" val="SMDATA_16_oViJZxMAAAAlAAAAZAAAAA8BAAAAkAAAAEgAAACQAAAASAAAAAAAAAABAAAAAAAAAAEAAABQAAAAAAAAAAAA4D8AAAAAAADgPwAAAAAAAOA/AAAAAAAA4D8AAAAAAADgPwAAAAAAAOA/AAAAAAAA4D8AAAAAAADgPwAAAAAAAOA/AAAAAAAA4D8CAAAAjAAAAAAAAAAAAAAAu+DjDP///wgAAAAAAAAAAAAAAAAAAAAAAAAAAAAAAAAAAAAAZAAAAAEAAABAAAAAAAAAAAAAAAAAAAAAAAAAAAAAAAAAAAAAAAAAAAAAAAAAAAAAAAAAAAAAAAAAAAAAAAAAAAAAAAAAAAAAAAAAAAAAAAAAAAAAAAAAAAAAAAAAAAAAFAAAADwAAAAAAAAAAAAAAAAAAAkUAAAAAQAAABQAAAAUAAAAFAAAAAEAAAAAAAAAZAAAAGQAAAAAAAAAZAAAAGQAAAAVAAAAYAAAAAAAAAAAAAAADwAAACADAAAAAAAAAAAAAAEAAACgMgAAVgcAAKr4//8BAAAAf39/AAEAAABkAAAAAAAAABQAAABAHwAAAAAAACYAAAAAAAAAwOD//wAAAAAmAAAAZAAAABYAAABMAAAAAAAAAAAAAAAEAAAAAAAAAAEAAACAgIAKAAAAACgAAAAoAAAAZAAAAGQAAAAAAAAAzMzMAAAAAABQAAAAUAAAAGQAAABkAAAAAAAAABcAAAAUAAAAAAAAAAAAAAD/fwAA/38AAAAAAAAJAAAABAAAAHsAfAAeAAAAaAAAAAAAAAAAAAAAAAAAAAAAAAAAAAAAECcAABAnAAAAAAAAAAAAAAAAAAAAAAAAAAAAAAAAAAAAAAAAAAAAABQAAAAAAAAAwMD/AAAAAABkAAAAMgAAAAAAAABkAAAAAAAAAH9/fwAKAAAAIgAAABgAAAAAAAAAAAAAAAAAAAAAAAAAAAAAAAAAAAAkAAAAJAAAAAAAAAAHAAAAAAAAAAAAAAAAAAAAAAAAAAAAAAAAAAAAf39/ACUAAABYAAAAAAAAAAAAAAAAAAAAAAAAAAAAAAAAAAAAAAAAAAAAAAAAAAAAAAAAAAAAAAA/AAAAAAAAAKCGAQAAAAAAAAAAAAAAAAAMAAAAAQAAAAAAAAAAAAAAAAAAAB8AAABUAAAAAAAABQAAAAEAAAAAAAAAAAAAAAAAAAAAAAAAAAAAAAAAAAAAAAAAAAAAAAJ/f38AAAAAA8zMzADAwP8Af39/AAAAAAAAAAAAAAAAAAAAAAAAAAAAIQAAABgAAAAUAAAAwTUAABsnAABARwAAWSkAABAAAAAmAAAACAAAAAAAAAAAAAAAMAAAABQAAAAAAAAAAAD//wAAAQAAAP//AAABAA=="/>
+                <pr:smNativeData xmlns:pr="smNativeData" xmlns="smNativeData" val="SMDATA_16_zLafZxMAAAAlAAAAZAAAAA8BAAAAkAAAAEgAAACQAAAASAAAAAAAAAABAAAAAAAAAAEAAABQAAAAAAAAAAAA4D8AAAAAAADgPwAAAAAAAOA/AAAAAAAA4D8AAAAAAADgPwAAAAAAAOA/AAAAAAAA4D8AAAAAAADgPwAAAAAAAOA/AAAAAAAA4D8CAAAAjAAAAAAAAAAAAAAAu+DjDP///wgAAAAAAAAAAAAAAAAAAAAAAAAAAAAAAAAAAAAAZAAAAAEAAABAAAAAAAAAAAAAAAAAAAAAAAAAAAAAAAAAAAAAAAAAAAAAAAAAAAAAAAAAAAAAAAAAAAAAAAAAAAAAAAAAAAAAAAAAAAAAAAAAAAAAAAAAAAAAAAAAAAAAFAAAADwAAAAAAAAAAAAAAAAAAAkUAAAAAQAAABQAAAAUAAAAFAAAAAEAAAAAAAAAZAAAAGQAAAAAAAAAZAAAAGQAAAAVAAAAYAAAAAAAAAAAAAAADwAAACADAAAAAAAAAAAAAAEAAACgMgAAVgcAAKr4//8BAAAAf39/AAEAAABkAAAAAAAAABQAAABAHwAAAAAAACYAAAAAAAAAwOD//wAAAAAmAAAAZAAAABYAAABMAAAAAAAAAAAAAAAEAAAAAAAAAAEAAACAgIAKAAAAACgAAAAoAAAAZAAAAGQAAAAAAAAAzMzMAAAAAABQAAAAUAAAAGQAAABkAAAAAAAAABcAAAAUAAAAAAAAAAAAAAD/fwAA/38AAAAAAAAJAAAABAAAAHsAfAAeAAAAaAAAAAAAAAAAAAAAAAAAAAAAAAAAAAAAECcAABAnAAAAAAAAAAAAAAAAAAAAAAAAAAAAAAAAAAAAAAAAAAAAABQAAAAAAAAAwMD/AAAAAABkAAAAMgAAAAAAAABkAAAAAAAAAH9/fwAKAAAAIgAAABgAAAAAAAAAAAAAAAAAAAAAAAAAAAAAAAAAAAAkAAAAJAAAAAAAAAAHAAAAAAAAAAAAAAAAAAAAAAAAAAAAAAAAAAAAf39/ACUAAABYAAAAAAAAAAAAAAAAAAAAAAAAAAAAAAAAAAAAAAAAAAAAAAAAAAAAAAAAAAAAAAA/AAAAAAAAAKCGAQAAAAAAAAAAAAAAAAAMAAAAAQAAAAAAAAAAAAAAAAAAAB8AAABUAAAAAAAABQAAAAEAAAAAAAAAAAAAAAAAAAAAAAAAAAAAAAAAAAAAAAAAAAAAAAJ/f38AAAAAA8zMzADAwP8Af39/AAAAAAAAAAAAAAAAAAAAAAAAAAAAIQAAABgAAAAUAAAAwTUAABsnAABARwAAWSkAABAAAAAmAAAACAAAAAAAAAAAAAAAMAAAABQAAAAAAAAAAAD//wAAAQAAAP//AAABAA=="/>
               </a:ext>
             </a:extLst>
           </p:cNvSpPr>
@@ -400,7 +402,7 @@
           <a:lstStyle/>
           <a:p>
             <a:pPr/>
-            <a:fld id="{3D8E7788-C6D0-DB81-9E36-30D439786865}" type="slidenum">
+            <a:fld id="{3FC4A58E-C0D2-9153-9C7C-3606EB326A63}" type="slidenum">
               <a:t/>
             </a:fld>
           </a:p>
@@ -439,7 +441,7 @@
             <a:spLocks noGrp="1" noChangeArrowheads="1"/>
             <a:extLst>
               <a:ext uri="smNativeData">
-                <pr:smNativeData xmlns:pr="smNativeData" xmlns="smNativeData" val="SMDATA_16_oViJZxMAAAAlAAAAZAAAAA8BAAAAkAAAAEgAAACQAAAASAAAAAAAAAABAAAAAAAAAAEAAABQAAAAAAAAAAAA4D8AAAAAAADgPwAAAAAAAOA/AAAAAAAA4D8AAAAAAADgPwAAAAAAAOA/AAAAAAAA4D8AAAAAAADgPwAAAAAAAOA/AAAAAAAA4D8CAAAAjAAAAAAAAAAAAAAAu+DjDP///wgAAAAAAAAAAAAAAAAAAAAAAAAAAAAAAAAAAAAAZAAAAAEAAABAAAAAAAAAAAAAAAAAAAAAAAAAAAAAAAAAAAAAAAAAAAAAAAAAAAAAAAAAAAAAAAAAAAAAAAAAAAAAAAAAAAAAAAAAAAAAAAAAAAAAAAAAAAAAAAAAAAAAFAAAADwAAAAAAAAAAAAAAAAAAAkUAAAAAQAAABQAAAAUAAAAFAAAAAEAAAAAAAAAZAAAAGQAAAAAAAAAZAAAAGQAAAAVAAAAYAAAAAAAAAAAAAAADwAAACADAAAAAAAAAAAAAAEAAACgMgAAVgcAAKr4//8BAAAAf39/AAEAAABkAAAAAAAAABQAAABAHwAAAAAAACYAAAAAAAAAwOD//wAAAAAmAAAAZAAAABYAAABMAAAAAAAAAAAAAAAEAAAAAAAAAAEAAACAgIAKAAAAACgAAAAoAAAAZAAAAGQAAAAAAAAAzMzMAAAAAABQAAAAUAAAAGQAAABkAAAAAAAAABcAAAAUAAAAAAAAAAAAAAD/fwAA/38AAAAAAAAJAAAABAAAAG49IjEeAAAAaAAAAAAAAAAAAAAAAAAAAAAAAAAAAAAAECcAABAnAAAAAAAAAAAAAAAAAAAAAAAAAAAAAAAAAAAAAAAAAAAAABQAAAAAAAAAwMD/AAAAAABkAAAAMgAAAAAAAABkAAAAAAAAAH9/fwAKAAAAIgAAABgAAAAAAAAAAAAAAAAAAAAAAAAAAAAAAAAAAAAkAAAAJAAAAAAAAAAHAAAAAAAAAAAAAAAAAAAAAAAAAAAAAAAAAAAAf39/ACUAAABYAAAAAAAAAAAAAAAAAAAAAAAAAAAAAAAAAAAAAAAAAAAAAAAAAAAAAAAAAAAAAAA/AAAAAAAAAKCGAQAAAAAAAAAAAAAAAAAMAAAAAQAAAAAAAAAAAAAAAAAAAB8AAABUAAAAAAAABQAAAAEAAAAAAAAAAAAAAAAAAAAAAAAAAAAAAAAAAAAAAAAAAAAAAAJ/f38AAAAAA8zMzADAwP8Af39/AAAAAAAAAAAAAAAAAAAAAAAAAAAAIQAAABgAAAAUAAAAwAMAALABAABARwAAuAgAABAAAAAmAAAACAAAAAAAAAAAAAAAMAAAABQAAAAAAAAAAAD//wAAAQAAAP//AAABAA=="/>
+                <pr:smNativeData xmlns:pr="smNativeData" xmlns="smNativeData" val="SMDATA_16_zLafZxMAAAAlAAAAZAAAAA8BAAAAkAAAAEgAAACQAAAASAAAAAAAAAABAAAAAAAAAAEAAABQAAAAAAAAAAAA4D8AAAAAAADgPwAAAAAAAOA/AAAAAAAA4D8AAAAAAADgPwAAAAAAAOA/AAAAAAAA4D8AAAAAAADgPwAAAAAAAOA/AAAAAAAA4D8CAAAAjAAAAAAAAAAAAAAAu+DjDP///wgAAAAAAAAAAAAAAAAAAAAAAAAAAAAAAAAAAAAAZAAAAAEAAABAAAAAAAAAAAAAAAAAAAAAAAAAAAAAAAAAAAAAAAAAAAAAAAAAAAAAAAAAAAAAAAAAAAAAAAAAAAAAAAAAAAAAAAAAAAAAAAAAAAAAAAAAAAAAAAAAAAAAFAAAADwAAAAAAAAAAAAAAAAAAAkUAAAAAQAAABQAAAAUAAAAFAAAAAEAAAAAAAAAZAAAAGQAAAAAAAAAZAAAAGQAAAAVAAAAYAAAAAAAAAAAAAAADwAAACADAAAAAAAAAAAAAAEAAACgMgAAVgcAAKr4//8BAAAAf39/AAEAAABkAAAAAAAAABQAAABAHwAAAAAAACYAAAAAAAAAwOD//wAAAAAmAAAAZAAAABYAAABMAAAAAAAAAAAAAAAEAAAAAAAAAAEAAACAgIAKAAAAACgAAAAoAAAAZAAAAGQAAAAAAAAAzMzMAAAAAABQAAAAUAAAAGQAAABkAAAAAAAAABcAAAAUAAAAAAAAAAAAAAD/fwAA/38AAAAAAAAJAAAABAAAAG49IjEeAAAAaAAAAAAAAAAAAAAAAAAAAAAAAAAAAAAAECcAABAnAAAAAAAAAAAAAAAAAAAAAAAAAAAAAAAAAAAAAAAAAAAAABQAAAAAAAAAwMD/AAAAAABkAAAAMgAAAAAAAABkAAAAAAAAAH9/fwAKAAAAIgAAABgAAAAAAAAAAAAAAAAAAAAAAAAAAAAAAAAAAAAkAAAAJAAAAAAAAAAHAAAAAAAAAAAAAAAAAAAAAAAAAAAAAAAAAAAAf39/ACUAAABYAAAAAAAAAAAAAAAAAAAAAAAAAAAAAAAAAAAAAAAAAAAAAAAAAAAAAAAAAAAAAAA/AAAAAAAAAKCGAQAAAAAAAAAAAAAAAAAMAAAAAQAAAAAAAAAAAAAAAAAAAB8AAABUAAAAAAAABQAAAAEAAAAAAAAAAAAAAAAAAAAAAAAAAAAAAAAAAAAAAAAAAAAAAAJ/f38AAAAAA8zMzADAwP8Af39/AAAAAAAAAAAAAAAAAAAAAAAAAAAAIQAAABgAAAAUAAAAwAMAALABAABARwAAuAgAABAAAAAmAAAACAAAAAAAAAAAAAAAMAAAABQAAAAAAAAAAAD//wAAAQAAAP//AAABAA=="/>
               </a:ext>
             </a:extLst>
           </p:cNvSpPr>
@@ -466,7 +468,7 @@
             <a:spLocks noGrp="1" noChangeArrowheads="1"/>
             <a:extLst>
               <a:ext uri="smNativeData">
-                <pr:smNativeData xmlns:pr="smNativeData" xmlns="smNativeData" val="SMDATA_16_oViJZxMAAAAlAAAAZAAAAA8BAAAAkAAAAEgAAACQAAAASAAAAAAAAAAAAAAAAQAAAAEAAABQAAAAAAAAAAAA4D8AAAAAAADgPwAAAAAAAOA/AAAAAAAA4D8AAAAAAADgPwAAAAAAAOA/AAAAAAAA4D8AAAAAAADgPwAAAAAAAOA/AAAAAAAA4D8CAAAAjAAAAAAAAAAAAAAAu+DjDP///wgAAAAAAAAAAAAAAAAAAAAAAAAAAAAAAAAAAAAAZAAAAAEAAABAAAAAAAAAAAAAAAAAAAAAAAAAAAAAAAAAAAAAAAAAAAAAAAAAAAAAAAAAAAAAAAAAAAAAAAAAAAAAAAAAAAAAAAAAAAAAAAAAAAAAAAAAAAAAAAAAAAAAFAAAADwAAAAAAAAAAAAAAAAAAAkUAAAAAQAAABQAAAAUAAAAFAAAAAEAAAAAAAAAZAAAAGQAAAAAAAAAZAAAAGQAAAAVAAAAYAAAAAAAAAAAAAAADwAAACADAAAAAAAAAAAAAAEAAACgMgAAVgcAAKr4//8BAAAAf39/AAEAAABkAAAAAAAAABQAAABAHwAAAAAAACYAAAAAAAAAwOD//wAAAAAmAAAAZAAAABYAAABMAAAAAAAAAAAAAAAEAAAAAAAAAAEAAACAgIAKAAAAACgAAAAoAAAAZAAAAGQAAAAAAAAAzMzMAAAAAABQAAAAUAAAAGQAAABkAAAAAAAAABcAAAAUAAAAAAAAAAAAAAD/fwAA/38AAAAAAAAJAAAABAAAAAAAAAAeAAAAaAAAAAAAAAAAAAAAAAAAAAAAAAAAAAAAECcAABAnAAAAAAAAAAAAAAAAAAAAAAAAAAAAAAAAAAAAAAAAAAAAABQAAAAAAAAAwMD/AAAAAABkAAAAMgAAAAAAAABkAAAAAAAAAH9/fwAKAAAAIgAAABgAAAAAAAAAAAAAAAAAAAAAAAAAAAAAAAAAAAAkAAAAJAAAAAAAAAAHAAAAAAAAAAAAAAAAAAAAAAAAAAAAAAAAAAAAf39/ACUAAABYAAAAAAAAAAAAAAAAAAAAAAAAAAAAAAAAAAAAAAAAAAAAAAAAAAAAAAAAAAAAAAA/AAAAAAAAAKCGAQAAAAAAAAAAAAAAAAAMAAAAAQAAAAAAAAAAAAAAAAAAAB8AAABUAAAAAAAABQAAAAEAAAAAAAAAAAAAAAAAAAAAAAAAAAAAAAAAAAAAAAAAAAAAAAJ/f38AAAAAA8zMzADAwP8Af39/AAAAAAAAAAAAAAAAAAAAAAAAAAAAIQAAABgAAAAUAAAAwAMAANgJAABARwAAsCUAABAAAAAmAAAACAAAAAIAAAAAAAAAMAAAABQAAAAAAAAAAAD//wAAAQAAAP//AAABAA=="/>
+                <pr:smNativeData xmlns:pr="smNativeData" xmlns="smNativeData" val="SMDATA_16_zLafZxMAAAAlAAAAZAAAAA8BAAAAkAAAAEgAAACQAAAASAAAAAAAAAAAAAAAAQAAAAEAAABQAAAAAAAAAAAA4D8AAAAAAADgPwAAAAAAAOA/AAAAAAAA4D8AAAAAAADgPwAAAAAAAOA/AAAAAAAA4D8AAAAAAADgPwAAAAAAAOA/AAAAAAAA4D8CAAAAjAAAAAAAAAAAAAAAu+DjDP///wgAAAAAAAAAAAAAAAAAAAAAAAAAAAAAAAAAAAAAZAAAAAEAAABAAAAAAAAAAAAAAAAAAAAAAAAAAAAAAAAAAAAAAAAAAAAAAAAAAAAAAAAAAAAAAAAAAAAAAAAAAAAAAAAAAAAAAAAAAAAAAAAAAAAAAAAAAAAAAAAAAAAAFAAAADwAAAAAAAAAAAAAAAAAAAkUAAAAAQAAABQAAAAUAAAAFAAAAAEAAAAAAAAAZAAAAGQAAAAAAAAAZAAAAGQAAAAVAAAAYAAAAAAAAAAAAAAADwAAACADAAAAAAAAAAAAAAEAAACgMgAAVgcAAKr4//8BAAAAf39/AAEAAABkAAAAAAAAABQAAABAHwAAAAAAACYAAAAAAAAAwOD//wAAAAAmAAAAZAAAABYAAABMAAAAAAAAAAAAAAAEAAAAAAAAAAEAAACAgIAKAAAAACgAAAAoAAAAZAAAAGQAAAAAAAAAzMzMAAAAAABQAAAAUAAAAGQAAABkAAAAAAAAABcAAAAUAAAAAAAAAAAAAAD/fwAA/38AAAAAAAAJAAAABAAAAAAAAAAeAAAAaAAAAAAAAAAAAAAAAAAAAAAAAAAAAAAAECcAABAnAAAAAAAAAAAAAAAAAAAAAAAAAAAAAAAAAAAAAAAAAAAAABQAAAAAAAAAwMD/AAAAAABkAAAAMgAAAAAAAABkAAAAAAAAAH9/fwAKAAAAIgAAABgAAAAAAAAAAAAAAAAAAAAAAAAAAAAAAAAAAAAkAAAAJAAAAAAAAAAHAAAAAAAAAAAAAAAAAAAAAAAAAAAAAAAAAAAAf39/ACUAAABYAAAAAAAAAAAAAAAAAAAAAAAAAAAAAAAAAAAAAAAAAAAAAAAAAAAAAAAAAAAAAAA/AAAAAAAAAKCGAQAAAAAAAAAAAAAAAAAMAAAAAQAAAAAAAAAAAAAAAAAAAB8AAABUAAAAAAAABQAAAAEAAAAAAAAAAAAAAAAAAAAAAAAAAAAAAAAAAAAAAAAAAAAAAAJ/f38AAAAAA8zMzADAwP8Af39/AAAAAAAAAAAAAAAAAAAAAAAAAAAAIQAAABgAAAAUAAAAwAMAANgJAABARwAAsCUAABAAAAAmAAAACAAAAAIAAAAAAAAAMAAAABQAAAAAAAAAAAD//wAAAQAAAP//AAABAA=="/>
               </a:ext>
             </a:extLst>
           </p:cNvSpPr>
@@ -521,7 +523,7 @@
             <a:spLocks noGrp="1" noChangeArrowheads="1"/>
             <a:extLst>
               <a:ext uri="smNativeData">
-                <pr:smNativeData xmlns:pr="smNativeData" xmlns="smNativeData" val="SMDATA_16_oViJZxMAAAAlAAAAZAAAAA8BAAAAkAAAAEgAAACQAAAASAAAAAAAAAABAAAAAAAAAAEAAABQAAAAAAAAAAAA4D8AAAAAAADgPwAAAAAAAOA/AAAAAAAA4D8AAAAAAADgPwAAAAAAAOA/AAAAAAAA4D8AAAAAAADgPwAAAAAAAOA/AAAAAAAA4D8CAAAAjAAAAAAAAAAAAAAAu+DjDP///wgAAAAAAAAAAAAAAAAAAAAAAAAAAAAAAAAAAAAAZAAAAAEAAABAAAAAAAAAAAAAAAAAAAAAAAAAAAAAAAAAAAAAAAAAAAAAAAAAAAAAAAAAAAAAAAAAAAAAAAAAAAAAAAAAAAAAAAAAAAAAAAAAAAAAAAAAAAAAAAAAAAAAFAAAADwAAAAAAAAAAAAAAAAAAAkUAAAAAQAAABQAAAAUAAAAFAAAAAEAAAAAAAAAZAAAAGQAAAAAAAAAZAAAAGQAAAAVAAAAYAAAAAAAAAAAAAAADwAAACADAAAAAAAAAAAAAAEAAACgMgAAVgcAAKr4//8BAAAAf39/AAEAAABkAAAAAAAAABQAAABAHwAAAAAAACYAAAAAAAAAwOD//wAAAAAmAAAAZAAAABYAAABMAAAAAAAAAAAAAAAEAAAAAAAAAAEAAACAgIAKAAAAACgAAAAoAAAAZAAAAGQAAAAAAAAAzMzMAAAAAABQAAAAUAAAAGQAAABkAAAAAAAAABcAAAAUAAAAAAAAAAAAAAD/fwAA/38AAAAAAAAJAAAABAAAAAAAAAAeAAAAaAAAAAAAAAAAAAAAAAAAAAAAAAAAAAAAECcAABAnAAAAAAAAAAAAAAAAAAAAAAAAAAAAAAAAAAAAAAAAAAAAABQAAAAAAAAAwMD/AAAAAABkAAAAMgAAAAAAAABkAAAAAAAAAH9/fwAKAAAAIgAAABgAAAAAAAAAAAAAAAAAAAAAAAAAAAAAAAAAAAAkAAAAJAAAAAAAAAAHAAAAAAAAAAAAAAAAAAAAAAAAAAAAAAAAAAAAf39/ACUAAABYAAAAAAAAAAAAAAAAAAAAAAAAAAAAAAAAAAAAAAAAAAAAAAAAAAAAAAAAAAAAAAA/AAAAAAAAAKCGAQAAAAAAAAAAAAAAAAAMAAAAAQAAAAAAAAAAAAAAAAAAAB8AAABUAAAAAAAABQAAAAEAAAAAAAAAAAAAAAAAAAAAAAAAAAAAAAAAAAAAAAAAAAAAAAJ/f38AAAAAA8zMzADAwP8Af39/AAAAAAAAAAAAAAAAAAAAAAAAAAAAIQAAABgAAAAUAAAAwAMAABsnAAA/FQAAWSkAABAAAAAmAAAACAAAAAAAAAAAAAAAMAAAABQAAAAAAAAAAAD//wAAAQAAAP//AAABAA=="/>
+                <pr:smNativeData xmlns:pr="smNativeData" xmlns="smNativeData" val="SMDATA_16_zLafZxMAAAAlAAAAZAAAAA8BAAAAkAAAAEgAAACQAAAASAAAAAAAAAABAAAAAAAAAAEAAABQAAAAAAAAAAAA4D8AAAAAAADgPwAAAAAAAOA/AAAAAAAA4D8AAAAAAADgPwAAAAAAAOA/AAAAAAAA4D8AAAAAAADgPwAAAAAAAOA/AAAAAAAA4D8CAAAAjAAAAAAAAAAAAAAAu+DjDP///wgAAAAAAAAAAAAAAAAAAAAAAAAAAAAAAAAAAAAAZAAAAAEAAABAAAAAAAAAAAAAAAAAAAAAAAAAAAAAAAAAAAAAAAAAAAAAAAAAAAAAAAAAAAAAAAAAAAAAAAAAAAAAAAAAAAAAAAAAAAAAAAAAAAAAAAAAAAAAAAAAAAAAFAAAADwAAAAAAAAAAAAAAAAAAAkUAAAAAQAAABQAAAAUAAAAFAAAAAEAAAAAAAAAZAAAAGQAAAAAAAAAZAAAAGQAAAAVAAAAYAAAAAAAAAAAAAAADwAAACADAAAAAAAAAAAAAAEAAACgMgAAVgcAAKr4//8BAAAAf39/AAEAAABkAAAAAAAAABQAAABAHwAAAAAAACYAAAAAAAAAwOD//wAAAAAmAAAAZAAAABYAAABMAAAAAAAAAAAAAAAEAAAAAAAAAAEAAACAgIAKAAAAACgAAAAoAAAAZAAAAGQAAAAAAAAAzMzMAAAAAABQAAAAUAAAAGQAAABkAAAAAAAAABcAAAAUAAAAAAAAAAAAAAD/fwAA/38AAAAAAAAJAAAABAAAAAAAAAAeAAAAaAAAAAAAAAAAAAAAAAAAAAAAAAAAAAAAECcAABAnAAAAAAAAAAAAAAAAAAAAAAAAAAAAAAAAAAAAAAAAAAAAABQAAAAAAAAAwMD/AAAAAABkAAAAMgAAAAAAAABkAAAAAAAAAH9/fwAKAAAAIgAAABgAAAAAAAAAAAAAAAAAAAAAAAAAAAAAAAAAAAAkAAAAJAAAAAAAAAAHAAAAAAAAAAAAAAAAAAAAAAAAAAAAAAAAAAAAf39/ACUAAABYAAAAAAAAAAAAAAAAAAAAAAAAAAAAAAAAAAAAAAAAAAAAAAAAAAAAAAAAAAAAAAA/AAAAAAAAAKCGAQAAAAAAAAAAAAAAAAAMAAAAAQAAAAAAAAAAAAAAAAAAAB8AAABUAAAAAAAABQAAAAEAAAAAAAAAAAAAAAAAAAAAAAAAAAAAAAAAAAAAAAAAAAAAAAJ/f38AAAAAA8zMzADAwP8Af39/AAAAAAAAAAAAAAAAAAAAAAAAAAAAIQAAABgAAAAUAAAAwAMAABsnAAA/FQAAWSkAABAAAAAmAAAACAAAAAAAAAAAAAAAMAAAABQAAAAAAAAAAAD//wAAAQAAAP//AAABAA=="/>
               </a:ext>
             </a:extLst>
           </p:cNvSpPr>
@@ -535,7 +537,7 @@
           <a:lstStyle/>
           <a:p>
             <a:pPr/>
-            <a:fld id="{3D8E3B98-D6D0-DBCD-9E36-209875786875}" type="datetime1">
+            <a:fld id="{3FC4CDB7-F9D2-913B-9C7C-0F6E83326A5A}" type="datetime1">
               <a:t/>
             </a:fld>
           </a:p>
@@ -548,7 +550,7 @@
             <a:spLocks noGrp="1" noChangeArrowheads="1"/>
             <a:extLst>
               <a:ext uri="smNativeData">
-                <pr:smNativeData xmlns:pr="smNativeData" xmlns="smNativeData" val="SMDATA_16_oViJZxMAAAAlAAAAZAAAAA8BAAAAkAAAAEgAAACQAAAASAAAAAAAAAABAAAAAAAAAAEAAABQAAAAAAAAAAAA4D8AAAAAAADgPwAAAAAAAOA/AAAAAAAA4D8AAAAAAADgPwAAAAAAAOA/AAAAAAAA4D8AAAAAAADgPwAAAAAAAOA/AAAAAAAA4D8CAAAAjAAAAAAAAAAAAAAAu+DjDP///wgAAAAAAAAAAAAAAAAAAAAAAAAAAAAAAAAAAAAAZAAAAAEAAABAAAAAAAAAAAAAAAAAAAAAAAAAAAAAAAAAAAAAAAAAAAAAAAAAAAAAAAAAAAAAAAAAAAAAAAAAAAAAAAAAAAAAAAAAAAAAAAAAAAAAAAAAAAAAAAAAAAAAFAAAADwAAAAAAAAAAAAAAAAAAAkUAAAAAQAAABQAAAAUAAAAFAAAAAEAAAAAAAAAZAAAAGQAAAAAAAAAZAAAAGQAAAAVAAAAYAAAAAAAAAAAAAAADwAAACADAAAAAAAAAAAAAAEAAACgMgAAVgcAAKr4//8BAAAAf39/AAEAAABkAAAAAAAAABQAAABAHwAAAAAAACYAAAAAAAAAwOD//wAAAAAmAAAAZAAAABYAAABMAAAAAAAAAAAAAAAEAAAAAAAAAAEAAACAgIAKAAAAACgAAAAoAAAAZAAAAGQAAAAAAAAAzMzMAAAAAABQAAAAUAAAAGQAAABkAAAAAAAAABcAAAAUAAAAAAAAAAAAAAD/fwAA/38AAAAAAAAJAAAABAAAAGE6c3AeAAAAaAAAAAAAAAAAAAAAAAAAAAAAAAAAAAAAECcAABAnAAAAAAAAAAAAAAAAAAAAAAAAAAAAAAAAAAAAAAAAAAAAABQAAAAAAAAAwMD/AAAAAABkAAAAMgAAAAAAAABkAAAAAAAAAH9/fwAKAAAAIgAAABgAAAAAAAAAAAAAAAAAAAAAAAAAAAAAAAAAAAAkAAAAJAAAAAAAAAAHAAAAAAAAAAAAAAAAAAAAAAAAAAAAAAAAAAAAf39/ACUAAABYAAAAAAAAAAAAAAAAAAAAAAAAAAAAAAAAAAAAAAAAAAAAAAAAAAAAAAAAAAAAAAA/AAAAAAAAAKCGAQAAAAAAAAAAAAAAAAAMAAAAAQAAAAAAAAAAAAAAAAAAAB8AAABUAAAAAAAABQAAAAEAAAAAAAAAAAAAAAAAAAAAAAAAAAAAAAAAAAAAAAAAAAAAAAJ/f38AAAAAA8zMzADAwP8Af39/AAAAAAAAAAAAAAAAAAAAAAAAAAAAIQAAABgAAAAUAAAAoRkAABsnAABfMQAAWSkAABAAAAAmAAAACAAAAAAAAAAAAAAAMAAAABQAAAAAAAAAAAD//wAAAQAAAP//AAABAA=="/>
+                <pr:smNativeData xmlns:pr="smNativeData" xmlns="smNativeData" val="SMDATA_16_zLafZxMAAAAlAAAAZAAAAA8BAAAAkAAAAEgAAACQAAAASAAAAAAAAAABAAAAAAAAAAEAAABQAAAAAAAAAAAA4D8AAAAAAADgPwAAAAAAAOA/AAAAAAAA4D8AAAAAAADgPwAAAAAAAOA/AAAAAAAA4D8AAAAAAADgPwAAAAAAAOA/AAAAAAAA4D8CAAAAjAAAAAAAAAAAAAAAu+DjDP///wgAAAAAAAAAAAAAAAAAAAAAAAAAAAAAAAAAAAAAZAAAAAEAAABAAAAAAAAAAAAAAAAAAAAAAAAAAAAAAAAAAAAAAAAAAAAAAAAAAAAAAAAAAAAAAAAAAAAAAAAAAAAAAAAAAAAAAAAAAAAAAAAAAAAAAAAAAAAAAAAAAAAAFAAAADwAAAAAAAAAAAAAAAAAAAkUAAAAAQAAABQAAAAUAAAAFAAAAAEAAAAAAAAAZAAAAGQAAAAAAAAAZAAAAGQAAAAVAAAAYAAAAAAAAAAAAAAADwAAACADAAAAAAAAAAAAAAEAAACgMgAAVgcAAKr4//8BAAAAf39/AAEAAABkAAAAAAAAABQAAABAHwAAAAAAACYAAAAAAAAAwOD//wAAAAAmAAAAZAAAABYAAABMAAAAAAAAAAAAAAAEAAAAAAAAAAEAAACAgIAKAAAAACgAAAAoAAAAZAAAAGQAAAAAAAAAzMzMAAAAAABQAAAAUAAAAGQAAABkAAAAAAAAABcAAAAUAAAAAAAAAAAAAAD/fwAA/38AAAAAAAAJAAAABAAAAGE6c3AeAAAAaAAAAAAAAAAAAAAAAAAAAAAAAAAAAAAAECcAABAnAAAAAAAAAAAAAAAAAAAAAAAAAAAAAAAAAAAAAAAAAAAAABQAAAAAAAAAwMD/AAAAAABkAAAAMgAAAAAAAABkAAAAAAAAAH9/fwAKAAAAIgAAABgAAAAAAAAAAAAAAAAAAAAAAAAAAAAAAAAAAAAkAAAAJAAAAAAAAAAHAAAAAAAAAAAAAAAAAAAAAAAAAAAAAAAAAAAAf39/ACUAAABYAAAAAAAAAAAAAAAAAAAAAAAAAAAAAAAAAAAAAAAAAAAAAAAAAAAAAAAAAAAAAAA/AAAAAAAAAKCGAQAAAAAAAAAAAAAAAAAMAAAAAQAAAAAAAAAAAAAAAAAAAB8AAABUAAAAAAAABQAAAAEAAAAAAAAAAAAAAAAAAAAAAAAAAAAAAAAAAAAAAAAAAAAAAAJ/f38AAAAAA8zMzADAwP8Af39/AAAAAAAAAAAAAAAAAAAAAAAAAAAAIQAAABgAAAAUAAAAoRkAABsnAABfMQAAWSkAABAAAAAmAAAACAAAAAAAAAAAAAAAMAAAABQAAAAAAAAAAAD//wAAAQAAAP//AAABAA=="/>
               </a:ext>
             </a:extLst>
           </p:cNvSpPr>
@@ -572,7 +574,7 @@
             <a:spLocks noGrp="1" noChangeArrowheads="1"/>
             <a:extLst>
               <a:ext uri="smNativeData">
-                <pr:smNativeData xmlns:pr="smNativeData" xmlns="smNativeData" val="SMDATA_16_oViJZxMAAAAlAAAAZAAAAA8BAAAAkAAAAEgAAACQAAAASAAAAAAAAAABAAAAAAAAAAEAAABQAAAAAAAAAAAA4D8AAAAAAADgPwAAAAAAAOA/AAAAAAAA4D8AAAAAAADgPwAAAAAAAOA/AAAAAAAA4D8AAAAAAADgPwAAAAAAAOA/AAAAAAAA4D8CAAAAjAAAAAAAAAAAAAAAu+DjDP///wgAAAAAAAAAAAAAAAAAAAAAAAAAAAAAAAAAAAAAZAAAAAEAAABAAAAAAAAAAAAAAAAAAAAAAAAAAAAAAAAAAAAAAAAAAAAAAAAAAAAAAAAAAAAAAAAAAAAAAAAAAAAAAAAAAAAAAAAAAAAAAAAAAAAAAAAAAAAAAAAAAAAAFAAAADwAAAAAAAAAAAAAAAAAAAkUAAAAAQAAABQAAAAUAAAAFAAAAAEAAAAAAAAAZAAAAGQAAAAAAAAAZAAAAGQAAAAVAAAAYAAAAAAAAAAAAAAADwAAACADAAAAAAAAAAAAAAEAAACgMgAAVgcAAKr4//8BAAAAf39/AAEAAABkAAAAAAAAABQAAABAHwAAAAAAACYAAAAAAAAAwOD//wAAAAAmAAAAZAAAABYAAABMAAAAAAAAAAAAAAAEAAAAAAAAAAEAAACAgIAKAAAAACgAAAAoAAAAZAAAAGQAAAAAAAAAzMzMAAAAAABQAAAAUAAAAGQAAABkAAAAAAAAABcAAAAUAAAAAAAAAAAAAAD/fwAA/38AAAAAAAAJAAAABAAAAAAAAAAeAAAAaAAAAAAAAAAAAAAAAAAAAAAAAAAAAAAAECcAABAnAAAAAAAAAAAAAAAAAAAAAAAAAAAAAAAAAAAAAAAAAAAAABQAAAAAAAAAwMD/AAAAAABkAAAAMgAAAAAAAABkAAAAAAAAAH9/fwAKAAAAIgAAABgAAAAAAAAAAAAAAAAAAAAAAAAAAAAAAAAAAAAkAAAAJAAAAAAAAAAHAAAAAAAAAAAAAAAAAAAAAAAAAAAAAAAAAAAAf39/ACUAAABYAAAAAAAAAAAAAAAAAAAAAAAAAAAAAAAAAAAAAAAAAAAAAAAAAAAAAAAAAAAAAAA/AAAAAAAAAKCGAQAAAAAAAAAAAAAAAAAMAAAAAQAAAAAAAAAAAAAAAAAAAB8AAABUAAAAAAAABQAAAAEAAAAAAAAAAAAAAAAAAAAAAAAAAAAAAAAAAAAAAAAAAAAAAAJ/f38AAAAAA8zMzADAwP8Af39/AAAAAAAAAAAAAAAAAAAAAAAAAAAAIQAAABgAAAAUAAAAwTUAABsnAABARwAAWSkAABAAAAAmAAAACAAAAAAAAAAAAAAAMAAAABQAAAAAAAAAAAD//wAAAQAAAP//AAABAA=="/>
+                <pr:smNativeData xmlns:pr="smNativeData" xmlns="smNativeData" val="SMDATA_16_zLafZxMAAAAlAAAAZAAAAA8BAAAAkAAAAEgAAACQAAAASAAAAAAAAAABAAAAAAAAAAEAAABQAAAAAAAAAAAA4D8AAAAAAADgPwAAAAAAAOA/AAAAAAAA4D8AAAAAAADgPwAAAAAAAOA/AAAAAAAA4D8AAAAAAADgPwAAAAAAAOA/AAAAAAAA4D8CAAAAjAAAAAAAAAAAAAAAu+DjDP///wgAAAAAAAAAAAAAAAAAAAAAAAAAAAAAAAAAAAAAZAAAAAEAAABAAAAAAAAAAAAAAAAAAAAAAAAAAAAAAAAAAAAAAAAAAAAAAAAAAAAAAAAAAAAAAAAAAAAAAAAAAAAAAAAAAAAAAAAAAAAAAAAAAAAAAAAAAAAAAAAAAAAAFAAAADwAAAAAAAAAAAAAAAAAAAkUAAAAAQAAABQAAAAUAAAAFAAAAAEAAAAAAAAAZAAAAGQAAAAAAAAAZAAAAGQAAAAVAAAAYAAAAAAAAAAAAAAADwAAACADAAAAAAAAAAAAAAEAAACgMgAAVgcAAKr4//8BAAAAf39/AAEAAABkAAAAAAAAABQAAABAHwAAAAAAACYAAAAAAAAAwOD//wAAAAAmAAAAZAAAABYAAABMAAAAAAAAAAAAAAAEAAAAAAAAAAEAAACAgIAKAAAAACgAAAAoAAAAZAAAAGQAAAAAAAAAzMzMAAAAAABQAAAAUAAAAGQAAABkAAAAAAAAABcAAAAUAAAAAAAAAAAAAAD/fwAA/38AAAAAAAAJAAAABAAAAAAAAAAeAAAAaAAAAAAAAAAAAAAAAAAAAAAAAAAAAAAAECcAABAnAAAAAAAAAAAAAAAAAAAAAAAAAAAAAAAAAAAAAAAAAAAAABQAAAAAAAAAwMD/AAAAAABkAAAAMgAAAAAAAABkAAAAAAAAAH9/fwAKAAAAIgAAABgAAAAAAAAAAAAAAAAAAAAAAAAAAAAAAAAAAAAkAAAAJAAAAAAAAAAHAAAAAAAAAAAAAAAAAAAAAAAAAAAAAAAAAAAAf39/ACUAAABYAAAAAAAAAAAAAAAAAAAAAAAAAAAAAAAAAAAAAAAAAAAAAAAAAAAAAAAAAAAAAAA/AAAAAAAAAKCGAQAAAAAAAAAAAAAAAAAMAAAAAQAAAAAAAAAAAAAAAAAAAB8AAABUAAAAAAAABQAAAAEAAAAAAAAAAAAAAAAAAAAAAAAAAAAAAAAAAAAAAAAAAAAAAAJ/f38AAAAAA8zMzADAwP8Af39/AAAAAAAAAAAAAAAAAAAAAAAAAAAAIQAAABgAAAAUAAAAwTUAABsnAABARwAAWSkAABAAAAAmAAAACAAAAAAAAAAAAAAAMAAAABQAAAAAAAAAAAD//wAAAQAAAP//AAABAA=="/>
               </a:ext>
             </a:extLst>
           </p:cNvSpPr>
@@ -586,7 +588,7 @@
           <a:lstStyle/>
           <a:p>
             <a:pPr/>
-            <a:fld id="{3D8E3897-D9D0-DBCE-9E36-2F9B7678687A}" type="slidenum">
+            <a:fld id="{3FC4E80F-41D2-911E-9C7C-B74BA6326AE2}" type="slidenum">
               <a:t/>
             </a:fld>
           </a:p>
@@ -625,7 +627,7 @@
             <a:spLocks noGrp="1" noChangeArrowheads="1"/>
             <a:extLst>
               <a:ext uri="smNativeData">
-                <pr:smNativeData xmlns:pr="smNativeData" xmlns="smNativeData" val="SMDATA_16_oViJZxMAAAAlAAAAZAAAAA8BAAAAkAAAAEgAAACQAAAASAAAAAAAAAACAAAAAQAAAAEAAABQAAAAAAAAAAAA4D8AAAAAAADgPwAAAAAAAOA/AAAAAAAA4D8AAAAAAADgPwAAAAAAAOA/AAAAAAAA4D8AAAAAAADgPwAAAAAAAOA/AAAAAAAA4D8CAAAAjAAAAAAAAAAAAAAAu+DjDP///wgAAAAAAAAAAAAAAAAAAAAAAAAAAAAAAAAAAAAAZAAAAAEAAABAAAAAAAAAAAAAAAAAAAAAAAAAAAAAAAAAAAAAAAAAAAAAAAAAAAAAAAAAAAAAAAAAAAAAAAAAAAAAAAAAAAAAAAAAAAAAAAAAAAAAAAAAAAAAAAAAAAAAFAAAADwAAAAAAAAAAAAAAAAAAAkUAAAAAQAAABQAAAAUAAAAFAAAAAEAAAAAAAAAZAAAAGQAAAAAAAAAZAAAAGQAAAAVAAAAYAAAAAAAAAAAAAAADwAAACADAAAAAAAAAAAAAAEAAACgMgAAVgcAAKr4//8BAAAAf39/AAEAAABkAAAAAAAAABQAAABAHwAAAAAAACYAAAAAAAAAwOD//wAAAAAmAAAAZAAAABYAAABMAAAAAAAAAAAAAAAEAAAAAAAAAAEAAACAgIAKAAAAACgAAAAoAAAAZAAAAGQAAAAAAAAAzMzMAAAAAABQAAAAUAAAAGQAAABkAAAAAAAAABcAAAAUAAAAAAAAAAAAAAD/fwAA/38AAAAAAAAJAAAABAAAAAAAAAAeAAAAaAAAAAAAAAAAAAAAAAAAAAAAAAAAAAAAECcAABAnAAAAAAAAAAAAAAAAAAAAAAAAAAAAAAAAAAAAAAAAAAAAABQAAAAAAAAAwMD/AAAAAABkAAAAMgAAAAAAAABkAAAAAAAAAH9/fwAKAAAAIgAAABgAAAAAAAAAAAAAAAAAAAAAAAAAAAAAAAAAAAAkAAAAJAAAAAAAAAAHAAAAAAAAAAAAAAAAAAAAAAAAAAAAAAAAAAAAf39/ACUAAABYAAAAAAAAAAAAAAAAAAAAAAAAAAAAAAAAAAAAAAAAAAAAAAAAAAAAAAAAAAAAAAA/AAAAAAAAAKCGAQAAAAAAAAAAAAAAAAAMAAAAAQAAAAAAAAAAAAAAAAAAAB8AAABUAAAAAAAABQAAAAEAAAAAAAAAAAAAAAAAAAAAAAAAAAAAAAAAAAAAAAAAAAAAAAJ/f38AAAAAA8zMzADAwP8Af39/AAAAAAAAAAAAAAAAAAAAAAAAAAAAIQAAABgAAAAUAAAAYDYAALABAABARwAAsCUAABAAAAAmAAAACAAAAIMAAAAAAAAAMAAAABQAAAAAAAAAAAD//wAAAQAAAP//AAABAA=="/>
+                <pr:smNativeData xmlns:pr="smNativeData" xmlns="smNativeData" val="SMDATA_16_zLafZxMAAAAlAAAAZAAAAA8BAAAAkAAAAEgAAACQAAAASAAAAAAAAAACAAAAAQAAAAEAAABQAAAAAAAAAAAA4D8AAAAAAADgPwAAAAAAAOA/AAAAAAAA4D8AAAAAAADgPwAAAAAAAOA/AAAAAAAA4D8AAAAAAADgPwAAAAAAAOA/AAAAAAAA4D8CAAAAjAAAAAAAAAAAAAAAu+DjDP///wgAAAAAAAAAAAAAAAAAAAAAAAAAAAAAAAAAAAAAZAAAAAEAAABAAAAAAAAAAAAAAAAAAAAAAAAAAAAAAAAAAAAAAAAAAAAAAAAAAAAAAAAAAAAAAAAAAAAAAAAAAAAAAAAAAAAAAAAAAAAAAAAAAAAAAAAAAAAAAAAAAAAAFAAAADwAAAAAAAAAAAAAAAAAAAkUAAAAAQAAABQAAAAUAAAAFAAAAAEAAAAAAAAAZAAAAGQAAAAAAAAAZAAAAGQAAAAVAAAAYAAAAAAAAAAAAAAADwAAACADAAAAAAAAAAAAAAEAAACgMgAAVgcAAKr4//8BAAAAf39/AAEAAABkAAAAAAAAABQAAABAHwAAAAAAACYAAAAAAAAAwOD//wAAAAAmAAAAZAAAABYAAABMAAAAAAAAAAAAAAAEAAAAAAAAAAEAAACAgIAKAAAAACgAAAAoAAAAZAAAAGQAAAAAAAAAzMzMAAAAAABQAAAAUAAAAGQAAABkAAAAAAAAABcAAAAUAAAAAAAAAAAAAAD/fwAA/38AAAAAAAAJAAAABAAAAAAAAAAeAAAAaAAAAAAAAAAAAAAAAAAAAAAAAAAAAAAAECcAABAnAAAAAAAAAAAAAAAAAAAAAAAAAAAAAAAAAAAAAAAAAAAAABQAAAAAAAAAwMD/AAAAAABkAAAAMgAAAAAAAABkAAAAAAAAAH9/fwAKAAAAIgAAABgAAAAAAAAAAAAAAAAAAAAAAAAAAAAAAAAAAAAkAAAAJAAAAAAAAAAHAAAAAAAAAAAAAAAAAAAAAAAAAAAAAAAAAAAAf39/ACUAAABYAAAAAAAAAAAAAAAAAAAAAAAAAAAAAAAAAAAAAAAAAAAAAAAAAAAAAAAAAAAAAAA/AAAAAAAAAKCGAQAAAAAAAAAAAAAAAAAMAAAAAQAAAAAAAAAAAAAAAAAAAB8AAABUAAAAAAAABQAAAAEAAAAAAAAAAAAAAAAAAAAAAAAAAAAAAAAAAAAAAAAAAAAAAAJ/f38AAAAAA8zMzADAwP8Af39/AAAAAAAAAAAAAAAAAAAAAAAAAAAAIQAAABgAAAAUAAAAYDYAALABAABARwAAsCUAABAAAAAmAAAACAAAAIMAAAAAAAAAMAAAABQAAAAAAAAAAAD//wAAAQAAAP//AAABAA=="/>
               </a:ext>
             </a:extLst>
           </p:cNvSpPr>
@@ -661,7 +663,7 @@
             <a:spLocks noGrp="1" noChangeArrowheads="1"/>
             <a:extLst>
               <a:ext uri="smNativeData">
-                <pr:smNativeData xmlns:pr="smNativeData" xmlns="smNativeData" val="SMDATA_16_oViJZxMAAAAlAAAAZAAAAA8BAAAAkAAAAEgAAACQAAAASAAAAAAAAAAAAAAAAQAAAAEAAABQAAAAAAAAAAAA4D8AAAAAAADgPwAAAAAAAOA/AAAAAAAA4D8AAAAAAADgPwAAAAAAAOA/AAAAAAAA4D8AAAAAAADgPwAAAAAAAOA/AAAAAAAA4D8CAAAAjAAAAAAAAAAAAAAAu+DjDP///wgAAAAAAAAAAAAAAAAAAAAAAAAAAAAAAAAAAAAAZAAAAAEAAABAAAAAAAAAAAAAAAAAAAAAAAAAAAAAAAAAAAAAAAAAAAAAAAAAAAAAAAAAAAAAAAAAAAAAAAAAAAAAAAAAAAAAAAAAAAAAAAAAAAAAAAAAAAAAAAAAAAAAFAAAADwAAAAAAAAAAAAAAAAAAAkUAAAAAQAAABQAAAAUAAAAFAAAAAEAAAAAAAAAZAAAAGQAAAAAAAAAZAAAAGQAAAAVAAAAYAAAAAAAAAAAAAAADwAAACADAAAAAAAAAAAAAAEAAACgMgAAVgcAAKr4//8BAAAAf39/AAEAAABkAAAAAAAAABQAAABAHwAAAAAAACYAAAAAAAAAwOD//wAAAAAmAAAAZAAAABYAAABMAAAAAAAAAAAAAAAEAAAAAAAAAAEAAACAgIAKAAAAACgAAAAoAAAAZAAAAGQAAAAAAAAAzMzMAAAAAABQAAAAUAAAAGQAAABkAAAAAAAAABcAAAAUAAAAAAAAAAAAAAD/fwAA/38AAAAAAAAJAAAABAAAAAAAAAAeAAAAaAAAAAAAAAAAAAAAAAAAAAAAAAAAAAAAECcAABAnAAAAAAAAAAAAAAAAAAAAAAAAAAAAAAAAAAAAAAAAAAAAABQAAAAAAAAAwMD/AAAAAABkAAAAMgAAAAAAAABkAAAAAAAAAH9/fwAKAAAAIgAAABgAAAAAAAAAAAAAAAAAAAAAAAAAAAAAAAAAAAAkAAAAJAAAAAAAAAAHAAAAAAAAAAAAAAAAAAAAAAAAAAAAAAAAAAAAf39/ACUAAABYAAAAAAAAAAAAAAAAAAAAAAAAAAAAAAAAAAAAAAAAAAAAAAAAAAAAAAAAAAAAAAA/AAAAAAAAAKCGAQAAAAAAAAAAAAAAAAAMAAAAAQAAAAAAAAAAAAAAAAAAAB8AAABUAAAAAAAABQAAAAEAAAAAAAAAAAAAAAAAAAAAAAAAAAAAAAAAAAAAAAAAAAAAAAJ/f38AAAAAA8zMzADAwP8Af39/AAAAAAAAAAAAAAAAAAAAAAAAAAAAIQAAABgAAAAUAAAAwAMAALABAAAfNQAAsCUAABAAAAAmAAAACAAAAAMAAAAAAAAAMAAAABQAAAAAAAAAAAD//wAAAQAAAP//AAABAA=="/>
+                <pr:smNativeData xmlns:pr="smNativeData" xmlns="smNativeData" val="SMDATA_16_zLafZxMAAAAlAAAAZAAAAA8BAAAAkAAAAEgAAACQAAAASAAAAAAAAAAAAAAAAQAAAAEAAABQAAAAAAAAAAAA4D8AAAAAAADgPwAAAAAAAOA/AAAAAAAA4D8AAAAAAADgPwAAAAAAAOA/AAAAAAAA4D8AAAAAAADgPwAAAAAAAOA/AAAAAAAA4D8CAAAAjAAAAAAAAAAAAAAAu+DjDP///wgAAAAAAAAAAAAAAAAAAAAAAAAAAAAAAAAAAAAAZAAAAAEAAABAAAAAAAAAAAAAAAAAAAAAAAAAAAAAAAAAAAAAAAAAAAAAAAAAAAAAAAAAAAAAAAAAAAAAAAAAAAAAAAAAAAAAAAAAAAAAAAAAAAAAAAAAAAAAAAAAAAAAFAAAADwAAAAAAAAAAAAAAAAAAAkUAAAAAQAAABQAAAAUAAAAFAAAAAEAAAAAAAAAZAAAAGQAAAAAAAAAZAAAAGQAAAAVAAAAYAAAAAAAAAAAAAAADwAAACADAAAAAAAAAAAAAAEAAACgMgAAVgcAAKr4//8BAAAAf39/AAEAAABkAAAAAAAAABQAAABAHwAAAAAAACYAAAAAAAAAwOD//wAAAAAmAAAAZAAAABYAAABMAAAAAAAAAAAAAAAEAAAAAAAAAAEAAACAgIAKAAAAACgAAAAoAAAAZAAAAGQAAAAAAAAAzMzMAAAAAABQAAAAUAAAAGQAAABkAAAAAAAAABcAAAAUAAAAAAAAAAAAAAD/fwAA/38AAAAAAAAJAAAABAAAAAAAAAAeAAAAaAAAAAAAAAAAAAAAAAAAAAAAAAAAAAAAECcAABAnAAAAAAAAAAAAAAAAAAAAAAAAAAAAAAAAAAAAAAAAAAAAABQAAAAAAAAAwMD/AAAAAABkAAAAMgAAAAAAAABkAAAAAAAAAH9/fwAKAAAAIgAAABgAAAAAAAAAAAAAAAAAAAAAAAAAAAAAAAAAAAAkAAAAJAAAAAAAAAAHAAAAAAAAAAAAAAAAAAAAAAAAAAAAAAAAAAAAf39/ACUAAABYAAAAAAAAAAAAAAAAAAAAAAAAAAAAAAAAAAAAAAAAAAAAAAAAAAAAAAAAAAAAAAA/AAAAAAAAAKCGAQAAAAAAAAAAAAAAAAAMAAAAAQAAAAAAAAAAAAAAAAAAAB8AAABUAAAAAAAABQAAAAEAAAAAAAAAAAAAAAAAAAAAAAAAAAAAAAAAAAAAAAAAAAAAAAJ/f38AAAAAA8zMzADAwP8Af39/AAAAAAAAAAAAAAAAAAAAAAAAAAAAIQAAABgAAAAUAAAAwAMAALABAAAfNQAAsCUAABAAAAAmAAAACAAAAAMAAAAAAAAAMAAAABQAAAAAAAAAAAD//wAAAQAAAP//AAABAA=="/>
               </a:ext>
             </a:extLst>
           </p:cNvSpPr>
@@ -721,7 +723,7 @@
             <a:spLocks noGrp="1" noChangeArrowheads="1"/>
             <a:extLst>
               <a:ext uri="smNativeData">
-                <pr:smNativeData xmlns:pr="smNativeData" xmlns="smNativeData" val="SMDATA_16_oViJZxMAAAAlAAAAZAAAAA8BAAAAkAAAAEgAAACQAAAASAAAAAAAAAABAAAAAAAAAAEAAABQAAAAAAAAAAAA4D8AAAAAAADgPwAAAAAAAOA/AAAAAAAA4D8AAAAAAADgPwAAAAAAAOA/AAAAAAAA4D8AAAAAAADgPwAAAAAAAOA/AAAAAAAA4D8CAAAAjAAAAAAAAAAAAAAAu+DjDP///wgAAAAAAAAAAAAAAAAAAAAAAAAAAAAAAAAAAAAAZAAAAAEAAABAAAAAAAAAAAAAAAAAAAAAAAAAAAAAAAAAAAAAAAAAAAAAAAAAAAAAAAAAAAAAAAAAAAAAAAAAAAAAAAAAAAAAAAAAAAAAAAAAAAAAAAAAAAAAAAAAAAAAFAAAADwAAAAAAAAAAAAAAAAAAAkUAAAAAQAAABQAAAAUAAAAFAAAAAEAAAAAAAAAZAAAAGQAAAAAAAAAZAAAAGQAAAAVAAAAYAAAAAAAAAAAAAAADwAAACADAAAAAAAAAAAAAAEAAACgMgAAVgcAAKr4//8BAAAAf39/AAEAAABkAAAAAAAAABQAAABAHwAAAAAAACYAAAAAAAAAwOD//wAAAAAmAAAAZAAAABYAAABMAAAAAAAAAAAAAAAEAAAAAAAAAAEAAACAgIAKAAAAACgAAAAoAAAAZAAAAGQAAAAAAAAAzMzMAAAAAABQAAAAUAAAAGQAAABkAAAAAAAAABcAAAAUAAAAAAAAAAAAAAD/fwAA/38AAAAAAAAJAAAABAAAAAAAAAAeAAAAaAAAAAAAAAAAAAAAAAAAAAAAAAAAAAAAECcAABAnAAAAAAAAAAAAAAAAAAAAAAAAAAAAAAAAAAAAAAAAAAAAABQAAAAAAAAAwMD/AAAAAABkAAAAMgAAAAAAAABkAAAAAAAAAH9/fwAKAAAAIgAAABgAAAAAAAAAAAAAAAAAAAAAAAAAAAAAAAAAAAAkAAAAJAAAAAAAAAAHAAAAAAAAAAAAAAAAAAAAAAAAAAAAAAAAAAAAf39/ACUAAABYAAAAAAAAAAAAAAAAAAAAAAAAAAAAAAAAAAAAAAAAAAAAAAAAAAAAAAAAAAAAAAA/AAAAAAAAAKCGAQAAAAAAAAAAAAAAAAAMAAAAAQAAAAAAAAAAAAAAAAAAAB8AAABUAAAAAAAABQAAAAEAAAAAAAAAAAAAAAAAAAAAAAAAAAAAAAAAAAAAAAAAAAAAAAJ/f38AAAAAA8zMzADAwP8Af39/AAAAAAAAAAAAAAAAAAAAAAAAAAAAIQAAABgAAAAUAAAAwAMAABsnAAA/FQAAWSkAABAAAAAmAAAACAAAAAAAAAAAAAAAMAAAABQAAAAAAAAAAAD//wAAAQAAAP//AAABAA=="/>
+                <pr:smNativeData xmlns:pr="smNativeData" xmlns="smNativeData" val="SMDATA_16_zLafZxMAAAAlAAAAZAAAAA8BAAAAkAAAAEgAAACQAAAASAAAAAAAAAABAAAAAAAAAAEAAABQAAAAAAAAAAAA4D8AAAAAAADgPwAAAAAAAOA/AAAAAAAA4D8AAAAAAADgPwAAAAAAAOA/AAAAAAAA4D8AAAAAAADgPwAAAAAAAOA/AAAAAAAA4D8CAAAAjAAAAAAAAAAAAAAAu+DjDP///wgAAAAAAAAAAAAAAAAAAAAAAAAAAAAAAAAAAAAAZAAAAAEAAABAAAAAAAAAAAAAAAAAAAAAAAAAAAAAAAAAAAAAAAAAAAAAAAAAAAAAAAAAAAAAAAAAAAAAAAAAAAAAAAAAAAAAAAAAAAAAAAAAAAAAAAAAAAAAAAAAAAAAFAAAADwAAAAAAAAAAAAAAAAAAAkUAAAAAQAAABQAAAAUAAAAFAAAAAEAAAAAAAAAZAAAAGQAAAAAAAAAZAAAAGQAAAAVAAAAYAAAAAAAAAAAAAAADwAAACADAAAAAAAAAAAAAAEAAACgMgAAVgcAAKr4//8BAAAAf39/AAEAAABkAAAAAAAAABQAAABAHwAAAAAAACYAAAAAAAAAwOD//wAAAAAmAAAAZAAAABYAAABMAAAAAAAAAAAAAAAEAAAAAAAAAAEAAACAgIAKAAAAACgAAAAoAAAAZAAAAGQAAAAAAAAAzMzMAAAAAABQAAAAUAAAAGQAAABkAAAAAAAAABcAAAAUAAAAAAAAAAAAAAD/fwAA/38AAAAAAAAJAAAABAAAAAAAAAAeAAAAaAAAAAAAAAAAAAAAAAAAAAAAAAAAAAAAECcAABAnAAAAAAAAAAAAAAAAAAAAAAAAAAAAAAAAAAAAAAAAAAAAABQAAAAAAAAAwMD/AAAAAABkAAAAMgAAAAAAAABkAAAAAAAAAH9/fwAKAAAAIgAAABgAAAAAAAAAAAAAAAAAAAAAAAAAAAAAAAAAAAAkAAAAJAAAAAAAAAAHAAAAAAAAAAAAAAAAAAAAAAAAAAAAAAAAAAAAf39/ACUAAABYAAAAAAAAAAAAAAAAAAAAAAAAAAAAAAAAAAAAAAAAAAAAAAAAAAAAAAAAAAAAAAA/AAAAAAAAAKCGAQAAAAAAAAAAAAAAAAAMAAAAAQAAAAAAAAAAAAAAAAAAAB8AAABUAAAAAAAABQAAAAEAAAAAAAAAAAAAAAAAAAAAAAAAAAAAAAAAAAAAAAAAAAAAAAJ/f38AAAAAA8zMzADAwP8Af39/AAAAAAAAAAAAAAAAAAAAAAAAAAAAIQAAABgAAAAUAAAAwAMAABsnAAA/FQAAWSkAABAAAAAmAAAACAAAAAAAAAAAAAAAMAAAABQAAAAAAAAAAAD//wAAAQAAAP//AAABAA=="/>
               </a:ext>
             </a:extLst>
           </p:cNvSpPr>
@@ -735,7 +737,7 @@
           <a:lstStyle/>
           <a:p>
             <a:pPr/>
-            <a:fld id="{3D8E2B28-66D0-DBDD-9E36-9088657868C5}" type="datetime1">
+            <a:fld id="{3FC49ED9-97D2-9168-9C7C-613DD0326A34}" type="datetime1">
               <a:t/>
             </a:fld>
           </a:p>
@@ -748,7 +750,7 @@
             <a:spLocks noGrp="1" noChangeArrowheads="1"/>
             <a:extLst>
               <a:ext uri="smNativeData">
-                <pr:smNativeData xmlns:pr="smNativeData" xmlns="smNativeData" val="SMDATA_16_oViJZxMAAAAlAAAAZAAAAA8BAAAAkAAAAEgAAACQAAAASAAAAAAAAAABAAAAAAAAAAEAAABQAAAAAAAAAAAA4D8AAAAAAADgPwAAAAAAAOA/AAAAAAAA4D8AAAAAAADgPwAAAAAAAOA/AAAAAAAA4D8AAAAAAADgPwAAAAAAAOA/AAAAAAAA4D8CAAAAjAAAAAAAAAAAAAAAu+DjDP///wgAAAAAAAAAAAAAAAAAAAAAAAAAAAAAAAAAAAAAZAAAAAEAAABAAAAAAAAAAAAAAAAAAAAAAAAAAAAAAAAAAAAAAAAAAAAAAAAAAAAAAAAAAAAAAAAAAAAAAAAAAAAAAAAAAAAAAAAAAAAAAAAAAAAAAAAAAAAAAAAAAAAAFAAAADwAAAAAAAAAAAAAAAAAAAkUAAAAAQAAABQAAAAUAAAAFAAAAAEAAAAAAAAAZAAAAGQAAAAAAAAAZAAAAGQAAAAVAAAAYAAAAAAAAAAAAAAADwAAACADAAAAAAAAAAAAAAEAAACgMgAAVgcAAKr4//8BAAAAf39/AAEAAABkAAAAAAAAABQAAABAHwAAAAAAACYAAAAAAAAAwOD//wAAAAAmAAAAZAAAABYAAABMAAAAAAAAAAAAAAAEAAAAAAAAAAEAAACAgIAKAAAAACgAAAAoAAAAZAAAAGQAAAAAAAAAzMzMAAAAAABQAAAAUAAAAGQAAABkAAAAAAAAABcAAAAUAAAAAAAAAAAAAAD/fwAA/38AAAAAAAAJAAAABAAAAAAAAAAeAAAAaAAAAAAAAAAAAAAAAAAAAAAAAAAAAAAAECcAABAnAAAAAAAAAAAAAAAAAAAAAAAAAAAAAAAAAAAAAAAAAAAAABQAAAAAAAAAwMD/AAAAAABkAAAAMgAAAAAAAABkAAAAAAAAAH9/fwAKAAAAIgAAABgAAAAAAAAAAAAAAAAAAAAAAAAAAAAAAAAAAAAkAAAAJAAAAAAAAAAHAAAAAAAAAAAAAAAAAAAAAAAAAAAAAAAAAAAAf39/ACUAAABYAAAAAAAAAAAAAAAAAAAAAAAAAAAAAAAAAAAAAAAAAAAAAAAAAAAAAAAAAAAAAAA/AAAAAAAAAKCGAQAAAAAAAAAAAAAAAAAMAAAAAQAAAAAAAAAAAAAAAAAAAB8AAABUAAAAAAAABQAAAAEAAAAAAAAAAAAAAAAAAAAAAAAAAAAAAAAAAAAAAAAAAAAAAAJ/f38AAAAAA8zMzADAwP8Af39/AAAAAAAAAAAAAAAAAAAAAAAAAAAAIQAAABgAAAAUAAAAoRkAABsnAABfMQAAWSkAABAAAAAmAAAACAAAAAAAAAAAAAAAMAAAABQAAAAAAAAAAAD//wAAAQAAAP//AAABAA=="/>
+                <pr:smNativeData xmlns:pr="smNativeData" xmlns="smNativeData" val="SMDATA_16_zLafZxMAAAAlAAAAZAAAAA8BAAAAkAAAAEgAAACQAAAASAAAAAAAAAABAAAAAAAAAAEAAABQAAAAAAAAAAAA4D8AAAAAAADgPwAAAAAAAOA/AAAAAAAA4D8AAAAAAADgPwAAAAAAAOA/AAAAAAAA4D8AAAAAAADgPwAAAAAAAOA/AAAAAAAA4D8CAAAAjAAAAAAAAAAAAAAAu+DjDP///wgAAAAAAAAAAAAAAAAAAAAAAAAAAAAAAAAAAAAAZAAAAAEAAABAAAAAAAAAAAAAAAAAAAAAAAAAAAAAAAAAAAAAAAAAAAAAAAAAAAAAAAAAAAAAAAAAAAAAAAAAAAAAAAAAAAAAAAAAAAAAAAAAAAAAAAAAAAAAAAAAAAAAFAAAADwAAAAAAAAAAAAAAAAAAAkUAAAAAQAAABQAAAAUAAAAFAAAAAEAAAAAAAAAZAAAAGQAAAAAAAAAZAAAAGQAAAAVAAAAYAAAAAAAAAAAAAAADwAAACADAAAAAAAAAAAAAAEAAACgMgAAVgcAAKr4//8BAAAAf39/AAEAAABkAAAAAAAAABQAAABAHwAAAAAAACYAAAAAAAAAwOD//wAAAAAmAAAAZAAAABYAAABMAAAAAAAAAAAAAAAEAAAAAAAAAAEAAACAgIAKAAAAACgAAAAoAAAAZAAAAGQAAAAAAAAAzMzMAAAAAABQAAAAUAAAAGQAAABkAAAAAAAAABcAAAAUAAAAAAAAAAAAAAD/fwAA/38AAAAAAAAJAAAABAAAAAAAAAAeAAAAaAAAAAAAAAAAAAAAAAAAAAAAAAAAAAAAECcAABAnAAAAAAAAAAAAAAAAAAAAAAAAAAAAAAAAAAAAAAAAAAAAABQAAAAAAAAAwMD/AAAAAABkAAAAMgAAAAAAAABkAAAAAAAAAH9/fwAKAAAAIgAAABgAAAAAAAAAAAAAAAAAAAAAAAAAAAAAAAAAAAAkAAAAJAAAAAAAAAAHAAAAAAAAAAAAAAAAAAAAAAAAAAAAAAAAAAAAf39/ACUAAABYAAAAAAAAAAAAAAAAAAAAAAAAAAAAAAAAAAAAAAAAAAAAAAAAAAAAAAAAAAAAAAA/AAAAAAAAAKCGAQAAAAAAAAAAAAAAAAAMAAAAAQAAAAAAAAAAAAAAAAAAAB8AAABUAAAAAAAABQAAAAEAAAAAAAAAAAAAAAAAAAAAAAAAAAAAAAAAAAAAAAAAAAAAAAJ/f38AAAAAA8zMzADAwP8Af39/AAAAAAAAAAAAAAAAAAAAAAAAAAAAIQAAABgAAAAUAAAAoRkAABsnAABfMQAAWSkAABAAAAAmAAAACAAAAAAAAAAAAAAAMAAAABQAAAAAAAAAAAD//wAAAQAAAP//AAABAA=="/>
               </a:ext>
             </a:extLst>
           </p:cNvSpPr>
@@ -772,7 +774,7 @@
             <a:spLocks noGrp="1" noChangeArrowheads="1"/>
             <a:extLst>
               <a:ext uri="smNativeData">
-                <pr:smNativeData xmlns:pr="smNativeData" xmlns="smNativeData" val="SMDATA_16_oViJZxMAAAAlAAAAZAAAAA8BAAAAkAAAAEgAAACQAAAASAAAAAAAAAABAAAAAAAAAAEAAABQAAAAAAAAAAAA4D8AAAAAAADgPwAAAAAAAOA/AAAAAAAA4D8AAAAAAADgPwAAAAAAAOA/AAAAAAAA4D8AAAAAAADgPwAAAAAAAOA/AAAAAAAA4D8CAAAAjAAAAAAAAAAAAAAAu+DjDP///wgAAAAAAAAAAAAAAAAAAAAAAAAAAAAAAAAAAAAAZAAAAAEAAABAAAAAAAAAAAAAAAAAAAAAAAAAAAAAAAAAAAAAAAAAAAAAAAAAAAAAAAAAAAAAAAAAAAAAAAAAAAAAAAAAAAAAAAAAAAAAAAAAAAAAAAAAAAAAAAAAAAAAFAAAADwAAAAAAAAAAAAAAAAAAAkUAAAAAQAAABQAAAAUAAAAFAAAAAEAAAAAAAAAZAAAAGQAAAAAAAAAZAAAAGQAAAAVAAAAYAAAAAAAAAAAAAAADwAAACADAAAAAAAAAAAAAAEAAACgMgAAVgcAAKr4//8BAAAAf39/AAEAAABkAAAAAAAAABQAAABAHwAAAAAAACYAAAAAAAAAwOD//wAAAAAmAAAAZAAAABYAAABMAAAAAAAAAAAAAAAEAAAAAAAAAAEAAACAgIAKAAAAACgAAAAoAAAAZAAAAGQAAAAAAAAAzMzMAAAAAABQAAAAUAAAAGQAAABkAAAAAAAAABcAAAAUAAAAAAAAAAAAAAD/fwAA/38AAAAAAAAJAAAABAAAAAAAAAAeAAAAaAAAAAAAAAAAAAAAAAAAAAAAAAAAAAAAECcAABAnAAAAAAAAAAAAAAAAAAAAAAAAAAAAAAAAAAAAAAAAAAAAABQAAAAAAAAAwMD/AAAAAABkAAAAMgAAAAAAAABkAAAAAAAAAH9/fwAKAAAAIgAAABgAAAAAAAAAAAAAAAAAAAAAAAAAAAAAAAAAAAAkAAAAJAAAAAAAAAAHAAAAAAAAAAAAAAAAAAAAAAAAAAAAAAAAAAAAf39/ACUAAABYAAAAAAAAAAAAAAAAAAAAAAAAAAAAAAAAAAAAAAAAAAAAAAAAAAAAAAAAAAAAAAA/AAAAAAAAAKCGAQAAAAAAAAAAAAAAAAAMAAAAAQAAAAAAAAAAAAAAAAAAAB8AAABUAAAAAAAABQAAAAEAAAAAAAAAAAAAAAAAAAAAAAAAAAAAAAAAAAAAAAAAAAAAAAJ/f38AAAAAA8zMzADAwP8Af39/AAAAAAAAAAAAAAAAAAAAAAAAAAAAIQAAABgAAAAUAAAAwTUAABsnAABARwAAWSkAABAAAAAmAAAACAAAAAAAAAAAAAAAMAAAABQAAAAAAAAAAAD//wAAAQAAAP//AAABAA=="/>
+                <pr:smNativeData xmlns:pr="smNativeData" xmlns="smNativeData" val="SMDATA_16_zLafZxMAAAAlAAAAZAAAAA8BAAAAkAAAAEgAAACQAAAASAAAAAAAAAABAAAAAAAAAAEAAABQAAAAAAAAAAAA4D8AAAAAAADgPwAAAAAAAOA/AAAAAAAA4D8AAAAAAADgPwAAAAAAAOA/AAAAAAAA4D8AAAAAAADgPwAAAAAAAOA/AAAAAAAA4D8CAAAAjAAAAAAAAAAAAAAAu+DjDP///wgAAAAAAAAAAAAAAAAAAAAAAAAAAAAAAAAAAAAAZAAAAAEAAABAAAAAAAAAAAAAAAAAAAAAAAAAAAAAAAAAAAAAAAAAAAAAAAAAAAAAAAAAAAAAAAAAAAAAAAAAAAAAAAAAAAAAAAAAAAAAAAAAAAAAAAAAAAAAAAAAAAAAFAAAADwAAAAAAAAAAAAAAAAAAAkUAAAAAQAAABQAAAAUAAAAFAAAAAEAAAAAAAAAZAAAAGQAAAAAAAAAZAAAAGQAAAAVAAAAYAAAAAAAAAAAAAAADwAAACADAAAAAAAAAAAAAAEAAACgMgAAVgcAAKr4//8BAAAAf39/AAEAAABkAAAAAAAAABQAAABAHwAAAAAAACYAAAAAAAAAwOD//wAAAAAmAAAAZAAAABYAAABMAAAAAAAAAAAAAAAEAAAAAAAAAAEAAACAgIAKAAAAACgAAAAoAAAAZAAAAGQAAAAAAAAAzMzMAAAAAABQAAAAUAAAAGQAAABkAAAAAAAAABcAAAAUAAAAAAAAAAAAAAD/fwAA/38AAAAAAAAJAAAABAAAAAAAAAAeAAAAaAAAAAAAAAAAAAAAAAAAAAAAAAAAAAAAECcAABAnAAAAAAAAAAAAAAAAAAAAAAAAAAAAAAAAAAAAAAAAAAAAABQAAAAAAAAAwMD/AAAAAABkAAAAMgAAAAAAAABkAAAAAAAAAH9/fwAKAAAAIgAAABgAAAAAAAAAAAAAAAAAAAAAAAAAAAAAAAAAAAAkAAAAJAAAAAAAAAAHAAAAAAAAAAAAAAAAAAAAAAAAAAAAAAAAAAAAf39/ACUAAABYAAAAAAAAAAAAAAAAAAAAAAAAAAAAAAAAAAAAAAAAAAAAAAAAAAAAAAAAAAAAAAA/AAAAAAAAAKCGAQAAAAAAAAAAAAAAAAAMAAAAAQAAAAAAAAAAAAAAAAAAAB8AAABUAAAAAAAABQAAAAEAAAAAAAAAAAAAAAAAAAAAAAAAAAAAAAAAAAAAAAAAAAAAAAJ/f38AAAAAA8zMzADAwP8Af39/AAAAAAAAAAAAAAAAAAAAAAAAAAAAIQAAABgAAAAUAAAAwTUAABsnAABARwAAWSkAABAAAAAmAAAACAAAAAAAAAAAAAAAMAAAABQAAAAAAAAAAAD//wAAAQAAAP//AAABAA=="/>
               </a:ext>
             </a:extLst>
           </p:cNvSpPr>
@@ -786,7 +788,7 @@
           <a:lstStyle/>
           <a:p>
             <a:pPr/>
-            <a:fld id="{3D8E2F1E-50D0-DBD9-9E36-A68C617868F3}" type="slidenum">
+            <a:fld id="{3FC4D1FD-B3D2-9127-9C7C-45729F326A10}" type="slidenum">
               <a:t/>
             </a:fld>
           </a:p>
@@ -825,7 +827,7 @@
             <a:spLocks noGrp="1" noChangeArrowheads="1"/>
             <a:extLst>
               <a:ext uri="smNativeData">
-                <pr:smNativeData xmlns:pr="smNativeData" xmlns="smNativeData" val="SMDATA_16_oViJZxMAAAAlAAAAZAAAAA8BAAAAkAAAAEgAAACQAAAASAAAAAAAAAABAAAAAAAAAAEAAABQAAAAAAAAAAAA4D8AAAAAAADgPwAAAAAAAOA/AAAAAAAA4D8AAAAAAADgPwAAAAAAAOA/AAAAAAAA4D8AAAAAAADgPwAAAAAAAOA/AAAAAAAA4D8CAAAAjAAAAAAAAAAAAAAAu+DjDP///wgAAAAAAAAAAAAAAAAAAAAAAAAAAAAAAAAAAAAAZAAAAAEAAABAAAAAAAAAAAAAAAAAAAAAAAAAAAAAAAAAAAAAAAAAAAAAAAAAAAAAAAAAAAAAAAAAAAAAAAAAAAAAAAAAAAAAAAAAAAAAAAAAAAAAAAAAAAAAAAAAAAAAFAAAADwAAAAAAAAAAAAAAAAAAAkUAAAAAQAAABQAAAAUAAAAFAAAAAEAAAAAAAAAZAAAAGQAAAAAAAAAZAAAAGQAAAAVAAAAYAAAAAAAAAAAAAAADwAAACADAAAAAAAAAAAAAAEAAACgMgAAVgcAAKr4//8BAAAAf39/AAEAAABkAAAAAAAAABQAAABAHwAAAAAAACYAAAAAAAAAwOD//wAAAAAmAAAAZAAAABYAAABMAAAAAAAAAAAAAAAEAAAAAAAAAAEAAACAgIAKAAAAACgAAAAoAAAAZAAAAGQAAAAAAAAAzMzMAAAAAABQAAAAUAAAAGQAAABkAAAAAAAAABcAAAAUAAAAAAAAAAAAAAD/fwAA/38AAAAAAAAJAAAABAAAAAAAAAAeAAAAaAAAAAAAAAAAAAAAAAAAAAAAAAAAAAAAECcAABAnAAAAAAAAAAAAAAAAAAAAAAAAAAAAAAAAAAAAAAAAAAAAABQAAAAAAAAAwMD/AAAAAABkAAAAMgAAAAAAAABkAAAAAAAAAH9/fwAKAAAAIgAAABgAAAAAAAAAAAAAAAAAAAAAAAAAAAAAAAAAAAAkAAAAJAAAAAAAAAAHAAAAAAAAAAAAAAAAAAAAAAAAAAAAAAAAAAAAf39/ACUAAABYAAAAAAAAAAAAAAAAAAAAAAAAAAAAAAAAAAAAAAAAAAAAAAAAAAAAAAAAAAAAAAA/AAAAAAAAAKCGAQAAAAAAAAAAAAAAAAAMAAAAAQAAAAAAAAAAAAAAAAAAAB8AAABUAAAAAAAABQAAAAEAAAAAAAAAAAAAAAAAAAAAAAAAAAAAAAAAAAAAAAAAAAAAAAJ/f38AAAAAA8zMzADAwP8Af39/AAAAAAAAAAAAAAAAAAAAAAAAAAAAIQAAABgAAAAUAAAAwAMAALABAABARwAAuAgAABAAAAAmAAAACAAAAAAAAAAAAAAAMAAAABQAAAAAAAAAAAD//wAAAQAAAP//AAABAA=="/>
+                <pr:smNativeData xmlns:pr="smNativeData" xmlns="smNativeData" val="SMDATA_16_zLafZxMAAAAlAAAAZAAAAA8BAAAAkAAAAEgAAACQAAAASAAAAAAAAAABAAAAAAAAAAEAAABQAAAAAAAAAAAA4D8AAAAAAADgPwAAAAAAAOA/AAAAAAAA4D8AAAAAAADgPwAAAAAAAOA/AAAAAAAA4D8AAAAAAADgPwAAAAAAAOA/AAAAAAAA4D8CAAAAjAAAAAAAAAAAAAAAu+DjDP///wgAAAAAAAAAAAAAAAAAAAAAAAAAAAAAAAAAAAAAZAAAAAEAAABAAAAAAAAAAAAAAAAAAAAAAAAAAAAAAAAAAAAAAAAAAAAAAAAAAAAAAAAAAAAAAAAAAAAAAAAAAAAAAAAAAAAAAAAAAAAAAAAAAAAAAAAAAAAAAAAAAAAAFAAAADwAAAAAAAAAAAAAAAAAAAkUAAAAAQAAABQAAAAUAAAAFAAAAAEAAAAAAAAAZAAAAGQAAAAAAAAAZAAAAGQAAAAVAAAAYAAAAAAAAAAAAAAADwAAACADAAAAAAAAAAAAAAEAAACgMgAAVgcAAKr4//8BAAAAf39/AAEAAABkAAAAAAAAABQAAABAHwAAAAAAACYAAAAAAAAAwOD//wAAAAAmAAAAZAAAABYAAABMAAAAAAAAAAAAAAAEAAAAAAAAAAEAAACAgIAKAAAAACgAAAAoAAAAZAAAAGQAAAAAAAAAzMzMAAAAAABQAAAAUAAAAGQAAABkAAAAAAAAABcAAAAUAAAAAAAAAAAAAAD/fwAA/38AAAAAAAAJAAAABAAAAAAAAAAeAAAAaAAAAAAAAAAAAAAAAAAAAAAAAAAAAAAAECcAABAnAAAAAAAAAAAAAAAAAAAAAAAAAAAAAAAAAAAAAAAAAAAAABQAAAAAAAAAwMD/AAAAAABkAAAAMgAAAAAAAABkAAAAAAAAAH9/fwAKAAAAIgAAABgAAAAAAAAAAAAAAAAAAAAAAAAAAAAAAAAAAAAkAAAAJAAAAAAAAAAHAAAAAAAAAAAAAAAAAAAAAAAAAAAAAAAAAAAAf39/ACUAAABYAAAAAAAAAAAAAAAAAAAAAAAAAAAAAAAAAAAAAAAAAAAAAAAAAAAAAAAAAAAAAAA/AAAAAAAAAKCGAQAAAAAAAAAAAAAAAAAMAAAAAQAAAAAAAAAAAAAAAAAAAB8AAABUAAAAAAAABQAAAAEAAAAAAAAAAAAAAAAAAAAAAAAAAAAAAAAAAAAAAAAAAAAAAAJ/f38AAAAAA8zMzADAwP8Af39/AAAAAAAAAAAAAAAAAAAAAAAAAAAAIQAAABgAAAAUAAAAwAMAALABAABARwAAuAgAABAAAAAmAAAACAAAAAAAAAAAAAAAMAAAABQAAAAAAAAAAAD//wAAAQAAAP//AAABAA=="/>
               </a:ext>
             </a:extLst>
           </p:cNvSpPr>
@@ -852,7 +854,7 @@
             <a:spLocks noGrp="1" noChangeArrowheads="1"/>
             <a:extLst>
               <a:ext uri="smNativeData">
-                <pr:smNativeData xmlns:pr="smNativeData" xmlns="smNativeData" val="SMDATA_16_oViJZxMAAAAlAAAAZAAAAA8BAAAAkAAAAEgAAACQAAAASAAAAAAAAAAAAAAAAAAAAAEAAABQAAAAAAAAAAAA4D8AAAAAAADgPwAAAAAAAOA/AAAAAAAA4D8AAAAAAADgPwAAAAAAAOA/AAAAAAAA4D8AAAAAAADgPwAAAAAAAOA/AAAAAAAA4D8CAAAAjAAAAAAAAAAAAAAAu+DjDP///wgAAAAAAAAAAAAAAAAAAAAAAAAAAAAAAAAAAAAAZAAAAAEAAABAAAAAAAAAAAAAAAAAAAAAAAAAAAAAAAAAAAAAAAAAAAAAAAAAAAAAAAAAAAAAAAAAAAAAAAAAAAAAAAAAAAAAAAAAAAAAAAAAAAAAAAAAAAAAAAAAAAAAFAAAADwAAAAAAAAAAAAAAAAAAAkUAAAAAQAAABQAAAAUAAAAFAAAAAEAAAAAAAAAZAAAAGQAAAAAAAAAZAAAAGQAAAAVAAAAYAAAAAAAAAAAAAAADwAAACADAAAAAAAAAAAAAAEAAACgMgAAVgcAAKr4//8BAAAAf39/AAEAAABkAAAAAAAAABQAAABAHwAAAAAAACYAAAAAAAAAwOD//wAAAAAmAAAAZAAAABYAAABMAAAAAAAAAAAAAAAEAAAAAAAAAAEAAACAgIAKAAAAACgAAAAoAAAAZAAAAGQAAAAAAAAAzMzMAAAAAABQAAAAUAAAAGQAAABkAAAAAAAAABcAAAAUAAAAAAAAAAAAAAD/fwAA/38AAAAAAAAJAAAABAAAAAAAAAAeAAAAaAAAAAAAAAAAAAAAAAAAAAAAAAAAAAAAECcAABAnAAAAAAAAAAAAAAAAAAAAAAAAAAAAAAAAAAAAAAAAAAAAABQAAAAAAAAAwMD/AAAAAABkAAAAMgAAAAAAAABkAAAAAAAAAH9/fwAKAAAAIgAAABgAAAAAAAAAAAAAAAAAAAAAAAAAAAAAAAAAAAAkAAAAJAAAAAAAAAAHAAAAAAAAAAAAAAAAAAAAAAAAAAAAAAAAAAAAf39/ACUAAABYAAAAAAAAAAAAAAAAAAAAAAAAAAAAAAAAAAAAAAAAAAAAAAAAAAAAAAAAAAAAAAA/AAAAAAAAAKCGAQAAAAAAAAAAAAAAAAAMAAAAAQAAAAAAAAAAAAAAAAAAAB8AAABUAAAAAAAABQAAAAEAAAAAAAAAAAAAAAAAAAAAAAAAAAAAAAAAAAAAAAAAAAAAAAJ/f38AAAAAA8zMzADAwP8Af39/AAAAAAAAAAAAAAAAAAAAAAAAAAAAIQAAABgAAAAUAAAAwAMAANgJAABARwAAsCUAABAAAAAmAAAACAAAAAAAAAAAAAAAMAAAABQAAAAAAAAAAAD//wAAAQAAAP//AAABAA=="/>
+                <pr:smNativeData xmlns:pr="smNativeData" xmlns="smNativeData" val="SMDATA_16_zLafZxMAAAAlAAAAZAAAAA8BAAAAkAAAAEgAAACQAAAASAAAAAAAAAAAAAAAAAAAAAEAAABQAAAAAAAAAAAA4D8AAAAAAADgPwAAAAAAAOA/AAAAAAAA4D8AAAAAAADgPwAAAAAAAOA/AAAAAAAA4D8AAAAAAADgPwAAAAAAAOA/AAAAAAAA4D8CAAAAjAAAAAAAAAAAAAAAu+DjDP///wgAAAAAAAAAAAAAAAAAAAAAAAAAAAAAAAAAAAAAZAAAAAEAAABAAAAAAAAAAAAAAAAAAAAAAAAAAAAAAAAAAAAAAAAAAAAAAAAAAAAAAAAAAAAAAAAAAAAAAAAAAAAAAAAAAAAAAAAAAAAAAAAAAAAAAAAAAAAAAAAAAAAAFAAAADwAAAAAAAAAAAAAAAAAAAkUAAAAAQAAABQAAAAUAAAAFAAAAAEAAAAAAAAAZAAAAGQAAAAAAAAAZAAAAGQAAAAVAAAAYAAAAAAAAAAAAAAADwAAACADAAAAAAAAAAAAAAEAAACgMgAAVgcAAKr4//8BAAAAf39/AAEAAABkAAAAAAAAABQAAABAHwAAAAAAACYAAAAAAAAAwOD//wAAAAAmAAAAZAAAABYAAABMAAAAAAAAAAAAAAAEAAAAAAAAAAEAAACAgIAKAAAAACgAAAAoAAAAZAAAAGQAAAAAAAAAzMzMAAAAAABQAAAAUAAAAGQAAABkAAAAAAAAABcAAAAUAAAAAAAAAAAAAAD/fwAA/38AAAAAAAAJAAAABAAAAAAAAAAeAAAAaAAAAAAAAAAAAAAAAAAAAAAAAAAAAAAAECcAABAnAAAAAAAAAAAAAAAAAAAAAAAAAAAAAAAAAAAAAAAAAAAAABQAAAAAAAAAwMD/AAAAAABkAAAAMgAAAAAAAABkAAAAAAAAAH9/fwAKAAAAIgAAABgAAAAAAAAAAAAAAAAAAAAAAAAAAAAAAAAAAAAkAAAAJAAAAAAAAAAHAAAAAAAAAAAAAAAAAAAAAAAAAAAAAAAAAAAAf39/ACUAAABYAAAAAAAAAAAAAAAAAAAAAAAAAAAAAAAAAAAAAAAAAAAAAAAAAAAAAAAAAAAAAAA/AAAAAAAAAKCGAQAAAAAAAAAAAAAAAAAMAAAAAQAAAAAAAAAAAAAAAAAAAB8AAABUAAAAAAAABQAAAAEAAAAAAAAAAAAAAAAAAAAAAAAAAAAAAAAAAAAAAAAAAAAAAAJ/f38AAAAAA8zMzADAwP8Af39/AAAAAAAAAAAAAAAAAAAAAAAAAAAAIQAAABgAAAAUAAAAwAMAANgJAABARwAAsCUAABAAAAAmAAAACAAAAAAAAAAAAAAAMAAAABQAAAAAAAAAAAD//wAAAQAAAP//AAABAA=="/>
               </a:ext>
             </a:extLst>
           </p:cNvSpPr>
@@ -903,7 +905,7 @@
             <a:spLocks noGrp="1" noChangeArrowheads="1"/>
             <a:extLst>
               <a:ext uri="smNativeData">
-                <pr:smNativeData xmlns:pr="smNativeData" xmlns="smNativeData" val="SMDATA_16_oViJZxMAAAAlAAAAZAAAAA8BAAAAkAAAAEgAAACQAAAASAAAAAAAAAABAAAAAAAAAAEAAABQAAAAAAAAAAAA4D8AAAAAAADgPwAAAAAAAOA/AAAAAAAA4D8AAAAAAADgPwAAAAAAAOA/AAAAAAAA4D8AAAAAAADgPwAAAAAAAOA/AAAAAAAA4D8CAAAAjAAAAAAAAAAAAAAAu+DjDP///wgAAAAAAAAAAAAAAAAAAAAAAAAAAAAAAAAAAAAAZAAAAAEAAABAAAAAAAAAAAAAAAAAAAAAAAAAAAAAAAAAAAAAAAAAAAAAAAAAAAAAAAAAAAAAAAAAAAAAAAAAAAAAAAAAAAAAAAAAAAAAAAAAAAAAAAAAAAAAAAAAAAAAFAAAADwAAAAAAAAAAAAAAAAAAAkUAAAAAQAAABQAAAAUAAAAFAAAAAEAAAAAAAAAZAAAAGQAAAAAAAAAZAAAAGQAAAAVAAAAYAAAAAAAAAAAAAAADwAAACADAAAAAAAAAAAAAAEAAACgMgAAVgcAAKr4//8BAAAAf39/AAEAAABkAAAAAAAAABQAAABAHwAAAAAAACYAAAAAAAAAwOD//wAAAAAmAAAAZAAAABYAAABMAAAAAAAAAAAAAAAEAAAAAAAAAAEAAACAgIAKAAAAACgAAAAoAAAAZAAAAGQAAAAAAAAAzMzMAAAAAABQAAAAUAAAAGQAAABkAAAAAAAAABcAAAAUAAAAAAAAAAAAAAD/fwAA/38AAAAAAAAJAAAABAAAANw7IAEeAAAAaAAAAAAAAAAAAAAAAAAAAAAAAAAAAAAAECcAABAnAAAAAAAAAAAAAAAAAAAAAAAAAAAAAAAAAAAAAAAAAAAAABQAAAAAAAAAwMD/AAAAAABkAAAAMgAAAAAAAABkAAAAAAAAAH9/fwAKAAAAIgAAABgAAAAAAAAAAAAAAAAAAAAAAAAAAAAAAAAAAAAkAAAAJAAAAAAAAAAHAAAAAAAAAAAAAAAAAAAAAAAAAAAAAAAAAAAAf39/ACUAAABYAAAAAAAAAAAAAAAAAAAAAAAAAAAAAAAAAAAAAAAAAAAAAAAAAAAAAAAAAAAAAAA/AAAAAAAAAKCGAQAAAAAAAAAAAAAAAAAMAAAAAQAAAAAAAAAAAAAAAAAAAB8AAABUAAAAAAAABQAAAAEAAAAAAAAAAAAAAAAAAAAAAAAAAAAAAAAAAAAAAAAAAAAAAAJ/f38AAAAAA8zMzADAwP8Af39/AAAAAAAAAAAAAAAAAAAAAAAAAAAAIQAAABgAAAAUAAAAwAMAABsnAAA/FQAAWSkAABAAAAAmAAAACAAAAAAAAAAAAAAAMAAAABQAAAAAAAAAAAD//wAAAQAAAP//AAABAA=="/>
+                <pr:smNativeData xmlns:pr="smNativeData" xmlns="smNativeData" val="SMDATA_16_zLafZxMAAAAlAAAAZAAAAA8BAAAAkAAAAEgAAACQAAAASAAAAAAAAAABAAAAAAAAAAEAAABQAAAAAAAAAAAA4D8AAAAAAADgPwAAAAAAAOA/AAAAAAAA4D8AAAAAAADgPwAAAAAAAOA/AAAAAAAA4D8AAAAAAADgPwAAAAAAAOA/AAAAAAAA4D8CAAAAjAAAAAAAAAAAAAAAu+DjDP///wgAAAAAAAAAAAAAAAAAAAAAAAAAAAAAAAAAAAAAZAAAAAEAAABAAAAAAAAAAAAAAAAAAAAAAAAAAAAAAAAAAAAAAAAAAAAAAAAAAAAAAAAAAAAAAAAAAAAAAAAAAAAAAAAAAAAAAAAAAAAAAAAAAAAAAAAAAAAAAAAAAAAAFAAAADwAAAAAAAAAAAAAAAAAAAkUAAAAAQAAABQAAAAUAAAAFAAAAAEAAAAAAAAAZAAAAGQAAAAAAAAAZAAAAGQAAAAVAAAAYAAAAAAAAAAAAAAADwAAACADAAAAAAAAAAAAAAEAAACgMgAAVgcAAKr4//8BAAAAf39/AAEAAABkAAAAAAAAABQAAABAHwAAAAAAACYAAAAAAAAAwOD//wAAAAAmAAAAZAAAABYAAABMAAAAAAAAAAAAAAAEAAAAAAAAAAEAAACAgIAKAAAAACgAAAAoAAAAZAAAAGQAAAAAAAAAzMzMAAAAAABQAAAAUAAAAGQAAABkAAAAAAAAABcAAAAUAAAAAAAAAAAAAAD/fwAA/38AAAAAAAAJAAAABAAAANw7IAEeAAAAaAAAAAAAAAAAAAAAAAAAAAAAAAAAAAAAECcAABAnAAAAAAAAAAAAAAAAAAAAAAAAAAAAAAAAAAAAAAAAAAAAABQAAAAAAAAAwMD/AAAAAABkAAAAMgAAAAAAAABkAAAAAAAAAH9/fwAKAAAAIgAAABgAAAAAAAAAAAAAAAAAAAAAAAAAAAAAAAAAAAAkAAAAJAAAAAAAAAAHAAAAAAAAAAAAAAAAAAAAAAAAAAAAAAAAAAAAf39/ACUAAABYAAAAAAAAAAAAAAAAAAAAAAAAAAAAAAAAAAAAAAAAAAAAAAAAAAAAAAAAAAAAAAA/AAAAAAAAAKCGAQAAAAAAAAAAAAAAAAAMAAAAAQAAAAAAAAAAAAAAAAAAAB8AAABUAAAAAAAABQAAAAEAAAAAAAAAAAAAAAAAAAAAAAAAAAAAAAAAAAAAAAAAAAAAAAJ/f38AAAAAA8zMzADAwP8Af39/AAAAAAAAAAAAAAAAAAAAAAAAAAAAIQAAABgAAAAUAAAAwAMAABsnAAA/FQAAWSkAABAAAAAmAAAACAAAAAAAAAAAAAAAMAAAABQAAAAAAAAAAAD//wAAAQAAAP//AAABAA=="/>
               </a:ext>
             </a:extLst>
           </p:cNvSpPr>
@@ -917,7 +919,7 @@
           <a:lstStyle/>
           <a:p>
             <a:pPr/>
-            <a:fld id="{3D8E5769-27D0-DBA1-9E36-D1F419786884}" type="datetime1">
+            <a:fld id="{3FC4A445-0BD2-9152-9C7C-FD07EA326AA8}" type="datetime1">
               <a:t/>
             </a:fld>
           </a:p>
@@ -930,7 +932,7 @@
             <a:spLocks noGrp="1" noChangeArrowheads="1"/>
             <a:extLst>
               <a:ext uri="smNativeData">
-                <pr:smNativeData xmlns:pr="smNativeData" xmlns="smNativeData" val="SMDATA_16_oViJZxMAAAAlAAAAZAAAAA8BAAAAkAAAAEgAAACQAAAASAAAAAAAAAABAAAAAAAAAAEAAABQAAAAAAAAAAAA4D8AAAAAAADgPwAAAAAAAOA/AAAAAAAA4D8AAAAAAADgPwAAAAAAAOA/AAAAAAAA4D8AAAAAAADgPwAAAAAAAOA/AAAAAAAA4D8CAAAAjAAAAAAAAAAAAAAAu+DjDP///wgAAAAAAAAAAAAAAAAAAAAAAAAAAAAAAAAAAAAAZAAAAAEAAABAAAAAAAAAAAAAAAAAAAAAAAAAAAAAAAAAAAAAAAAAAAAAAAAAAAAAAAAAAAAAAAAAAAAAAAAAAAAAAAAAAAAAAAAAAAAAAAAAAAAAAAAAAAAAAAAAAAAAFAAAADwAAAAAAAAAAAAAAAAAAAkUAAAAAQAAABQAAAAUAAAAFAAAAAEAAAAAAAAAZAAAAGQAAAAAAAAAZAAAAGQAAAAVAAAAYAAAAAAAAAAAAAAADwAAACADAAAAAAAAAAAAAAEAAACgMgAAVgcAAKr4//8BAAAAf39/AAEAAABkAAAAAAAAABQAAABAHwAAAAAAACYAAAAAAAAAwOD//wAAAAAmAAAAZAAAABYAAABMAAAAAAAAAAAAAAAEAAAAAAAAAAEAAACAgIAKAAAAACgAAAAoAAAAZAAAAGQAAAAAAAAAzMzMAAAAAABQAAAAUAAAAGQAAABkAAAAAAAAABcAAAAUAAAAAAAAAAAAAAD/fwAA/38AAAAAAAAJAAAABAAAANw7IAEeAAAAaAAAAAAAAAAAAAAAAAAAAAAAAAAAAAAAECcAABAnAAAAAAAAAAAAAAAAAAAAAAAAAAAAAAAAAAAAAAAAAAAAABQAAAAAAAAAwMD/AAAAAABkAAAAMgAAAAAAAABkAAAAAAAAAH9/fwAKAAAAIgAAABgAAAAAAAAAAAAAAAAAAAAAAAAAAAAAAAAAAAAkAAAAJAAAAAAAAAAHAAAAAAAAAAAAAAAAAAAAAAAAAAAAAAAAAAAAf39/ACUAAABYAAAAAAAAAAAAAAAAAAAAAAAAAAAAAAAAAAAAAAAAAAAAAAAAAAAAAAAAAAAAAAA/AAAAAAAAAKCGAQAAAAAAAAAAAAAAAAAMAAAAAQAAAAAAAAAAAAAAAAAAAB8AAABUAAAAAAAABQAAAAEAAAAAAAAAAAAAAAAAAAAAAAAAAAAAAAAAAAAAAAAAAAAAAAJ/f38AAAAAA8zMzADAwP8Af39/AAAAAAAAAAAAAAAAAAAAAAAAAAAAIQAAABgAAAAUAAAAoRkAABsnAABfMQAAWSkAABAAAAAmAAAACAAAAAAAAAAAAAAAMAAAABQAAAAAAAAAAAD//wAAAQAAAP//AAABAA=="/>
+                <pr:smNativeData xmlns:pr="smNativeData" xmlns="smNativeData" val="SMDATA_16_zLafZxMAAAAlAAAAZAAAAA8BAAAAkAAAAEgAAACQAAAASAAAAAAAAAABAAAAAAAAAAEAAABQAAAAAAAAAAAA4D8AAAAAAADgPwAAAAAAAOA/AAAAAAAA4D8AAAAAAADgPwAAAAAAAOA/AAAAAAAA4D8AAAAAAADgPwAAAAAAAOA/AAAAAAAA4D8CAAAAjAAAAAAAAAAAAAAAu+DjDP///wgAAAAAAAAAAAAAAAAAAAAAAAAAAAAAAAAAAAAAZAAAAAEAAABAAAAAAAAAAAAAAAAAAAAAAAAAAAAAAAAAAAAAAAAAAAAAAAAAAAAAAAAAAAAAAAAAAAAAAAAAAAAAAAAAAAAAAAAAAAAAAAAAAAAAAAAAAAAAAAAAAAAAFAAAADwAAAAAAAAAAAAAAAAAAAkUAAAAAQAAABQAAAAUAAAAFAAAAAEAAAAAAAAAZAAAAGQAAAAAAAAAZAAAAGQAAAAVAAAAYAAAAAAAAAAAAAAADwAAACADAAAAAAAAAAAAAAEAAACgMgAAVgcAAKr4//8BAAAAf39/AAEAAABkAAAAAAAAABQAAABAHwAAAAAAACYAAAAAAAAAwOD//wAAAAAmAAAAZAAAABYAAABMAAAAAAAAAAAAAAAEAAAAAAAAAAEAAACAgIAKAAAAACgAAAAoAAAAZAAAAGQAAAAAAAAAzMzMAAAAAABQAAAAUAAAAGQAAABkAAAAAAAAABcAAAAUAAAAAAAAAAAAAAD/fwAA/38AAAAAAAAJAAAABAAAANw7IAEeAAAAaAAAAAAAAAAAAAAAAAAAAAAAAAAAAAAAECcAABAnAAAAAAAAAAAAAAAAAAAAAAAAAAAAAAAAAAAAAAAAAAAAABQAAAAAAAAAwMD/AAAAAABkAAAAMgAAAAAAAABkAAAAAAAAAH9/fwAKAAAAIgAAABgAAAAAAAAAAAAAAAAAAAAAAAAAAAAAAAAAAAAkAAAAJAAAAAAAAAAHAAAAAAAAAAAAAAAAAAAAAAAAAAAAAAAAAAAAf39/ACUAAABYAAAAAAAAAAAAAAAAAAAAAAAAAAAAAAAAAAAAAAAAAAAAAAAAAAAAAAAAAAAAAAA/AAAAAAAAAKCGAQAAAAAAAAAAAAAAAAAMAAAAAQAAAAAAAAAAAAAAAAAAAB8AAABUAAAAAAAABQAAAAEAAAAAAAAAAAAAAAAAAAAAAAAAAAAAAAAAAAAAAAAAAAAAAAJ/f38AAAAAA8zMzADAwP8Af39/AAAAAAAAAAAAAAAAAAAAAAAAAAAAIQAAABgAAAAUAAAAoRkAABsnAABfMQAAWSkAABAAAAAmAAAACAAAAAAAAAAAAAAAMAAAABQAAAAAAAAAAAD//wAAAQAAAP//AAABAA=="/>
               </a:ext>
             </a:extLst>
           </p:cNvSpPr>
@@ -954,7 +956,7 @@
             <a:spLocks noGrp="1" noChangeArrowheads="1"/>
             <a:extLst>
               <a:ext uri="smNativeData">
-                <pr:smNativeData xmlns:pr="smNativeData" xmlns="smNativeData" val="SMDATA_16_oViJZxMAAAAlAAAAZAAAAA8BAAAAkAAAAEgAAACQAAAASAAAAAAAAAABAAAAAAAAAAEAAABQAAAAAAAAAAAA4D8AAAAAAADgPwAAAAAAAOA/AAAAAAAA4D8AAAAAAADgPwAAAAAAAOA/AAAAAAAA4D8AAAAAAADgPwAAAAAAAOA/AAAAAAAA4D8CAAAAjAAAAAAAAAAAAAAAu+DjDP///wgAAAAAAAAAAAAAAAAAAAAAAAAAAAAAAAAAAAAAZAAAAAEAAABAAAAAAAAAAAAAAAAAAAAAAAAAAAAAAAAAAAAAAAAAAAAAAAAAAAAAAAAAAAAAAAAAAAAAAAAAAAAAAAAAAAAAAAAAAAAAAAAAAAAAAAAAAAAAAAAAAAAAFAAAADwAAAAAAAAAAAAAAAAAAAkUAAAAAQAAABQAAAAUAAAAFAAAAAEAAAAAAAAAZAAAAGQAAAAAAAAAZAAAAGQAAAAVAAAAYAAAAAAAAAAAAAAADwAAACADAAAAAAAAAAAAAAEAAACgMgAAVgcAAKr4//8BAAAAf39/AAEAAABkAAAAAAAAABQAAABAHwAAAAAAACYAAAAAAAAAwOD//wAAAAAmAAAAZAAAABYAAABMAAAAAAAAAAAAAAAEAAAAAAAAAAEAAACAgIAKAAAAACgAAAAoAAAAZAAAAGQAAAAAAAAAzMzMAAAAAABQAAAAUAAAAGQAAABkAAAAAAAAABcAAAAUAAAAAAAAAAAAAAD/fwAA/38AAAAAAAAJAAAABAAAAAAAAAAeAAAAaAAAAAAAAAAAAAAAAAAAAAAAAAAAAAAAECcAABAnAAAAAAAAAAAAAAAAAAAAAAAAAAAAAAAAAAAAAAAAAAAAABQAAAAAAAAAwMD/AAAAAABkAAAAMgAAAAAAAABkAAAAAAAAAH9/fwAKAAAAIgAAABgAAAAAAAAAAAAAAAAAAAAAAAAAAAAAAAAAAAAkAAAAJAAAAAAAAAAHAAAAAAAAAAAAAAAAAAAAAAAAAAAAAAAAAAAAf39/ACUAAABYAAAAAAAAAAAAAAAAAAAAAAAAAAAAAAAAAAAAAAAAAAAAAAAAAAAAAAAAAAAAAAA/AAAAAAAAAKCGAQAAAAAAAAAAAAAAAAAMAAAAAQAAAAAAAAAAAAAAAAAAAB8AAABUAAAAAAAABQAAAAEAAAAAAAAAAAAAAAAAAAAAAAAAAAAAAAAAAAAAAAAAAAAAAAJ/f38AAAAAA8zMzADAwP8Af39/AAAAAAAAAAAAAAAAAAAAAAAAAAAAIQAAABgAAAAUAAAAwTUAABsnAABARwAAWSkAABAAAAAmAAAACAAAAAAAAAAAAAAAMAAAABQAAAAAAAAAAAD//wAAAQAAAP//AAABAA=="/>
+                <pr:smNativeData xmlns:pr="smNativeData" xmlns="smNativeData" val="SMDATA_16_zLafZxMAAAAlAAAAZAAAAA8BAAAAkAAAAEgAAACQAAAASAAAAAAAAAABAAAAAAAAAAEAAABQAAAAAAAAAAAA4D8AAAAAAADgPwAAAAAAAOA/AAAAAAAA4D8AAAAAAADgPwAAAAAAAOA/AAAAAAAA4D8AAAAAAADgPwAAAAAAAOA/AAAAAAAA4D8CAAAAjAAAAAAAAAAAAAAAu+DjDP///wgAAAAAAAAAAAAAAAAAAAAAAAAAAAAAAAAAAAAAZAAAAAEAAABAAAAAAAAAAAAAAAAAAAAAAAAAAAAAAAAAAAAAAAAAAAAAAAAAAAAAAAAAAAAAAAAAAAAAAAAAAAAAAAAAAAAAAAAAAAAAAAAAAAAAAAAAAAAAAAAAAAAAFAAAADwAAAAAAAAAAAAAAAAAAAkUAAAAAQAAABQAAAAUAAAAFAAAAAEAAAAAAAAAZAAAAGQAAAAAAAAAZAAAAGQAAAAVAAAAYAAAAAAAAAAAAAAADwAAACADAAAAAAAAAAAAAAEAAACgMgAAVgcAAKr4//8BAAAAf39/AAEAAABkAAAAAAAAABQAAABAHwAAAAAAACYAAAAAAAAAwOD//wAAAAAmAAAAZAAAABYAAABMAAAAAAAAAAAAAAAEAAAAAAAAAAEAAACAgIAKAAAAACgAAAAoAAAAZAAAAGQAAAAAAAAAzMzMAAAAAABQAAAAUAAAAGQAAABkAAAAAAAAABcAAAAUAAAAAAAAAAAAAAD/fwAA/38AAAAAAAAJAAAABAAAAAAAAAAeAAAAaAAAAAAAAAAAAAAAAAAAAAAAAAAAAAAAECcAABAnAAAAAAAAAAAAAAAAAAAAAAAAAAAAAAAAAAAAAAAAAAAAABQAAAAAAAAAwMD/AAAAAABkAAAAMgAAAAAAAABkAAAAAAAAAH9/fwAKAAAAIgAAABgAAAAAAAAAAAAAAAAAAAAAAAAAAAAAAAAAAAAkAAAAJAAAAAAAAAAHAAAAAAAAAAAAAAAAAAAAAAAAAAAAAAAAAAAAf39/ACUAAABYAAAAAAAAAAAAAAAAAAAAAAAAAAAAAAAAAAAAAAAAAAAAAAAAAAAAAAAAAAAAAAA/AAAAAAAAAKCGAQAAAAAAAAAAAAAAAAAMAAAAAQAAAAAAAAAAAAAAAAAAAB8AAABUAAAAAAAABQAAAAEAAAAAAAAAAAAAAAAAAAAAAAAAAAAAAAAAAAAAAAAAAAAAAAJ/f38AAAAAA8zMzADAwP8Af39/AAAAAAAAAAAAAAAAAAAAAAAAAAAAIQAAABgAAAAUAAAAwTUAABsnAABARwAAWSkAABAAAAAmAAAACAAAAAAAAAAAAAAAMAAAABQAAAAAAAAAAAD//wAAAQAAAP//AAABAA=="/>
               </a:ext>
             </a:extLst>
           </p:cNvSpPr>
@@ -968,7 +970,7 @@
           <a:lstStyle/>
           <a:p>
             <a:pPr/>
-            <a:fld id="{3D8E5774-3AD0-DBA1-9E36-CCF419786899}" type="slidenum">
+            <a:fld id="{3FC4B8B1-FFD2-914E-9C7C-091BF6326A5C}" type="slidenum">
               <a:t/>
             </a:fld>
           </a:p>
@@ -1007,7 +1009,7 @@
             <a:spLocks noGrp="1" noChangeArrowheads="1"/>
             <a:extLst>
               <a:ext uri="smNativeData">
-                <pr:smNativeData xmlns:pr="smNativeData" xmlns="smNativeData" val="SMDATA_16_oViJZxMAAAAlAAAAZAAAAA8BAAAAkAAAAEgAAACQAAAASAAAAAAAAAAAAAAAAAAAAAEAAABQAAAAAAAAAAAA4D8AAAAAAADgPwAAAAAAAOA/AAAAAAAA4D8AAAAAAADgPwAAAAAAAOA/AAAAAAAA4D8AAAAAAADgPwAAAAAAAOA/AAAAAAAA4D8CAAAAjAAAAAAAAAAAAAAAu+DjDP///wgAAAAAAAAAAAAAAAAAAAAAAAAAAAAAAAAAAAAAZAAAAAEAAABAAAAAAAAAAAAAAAAAAAAAAAAAAAAAAAAAAAAAAAAAAAAAAAAAAAAAAAAAAAAAAAAAAAAAAAAAAAAAAAAAAAAAAAAAAAAAAAAAAAAAAAAAAAAAAAAAAAAAFAAAADwAAAAAAAAAAAAAAAAAAAkUAAAAAQAAABQAAAAUAAAAFAAAAAEAAAAAAAAAZAAAAGQAAAAAAAAAZAAAAGQAAAAVAAAAYAAAAAAAAAAAAAAADwAAACADAAAAAAAAAAAAAAEAAACgMgAAVgcAAKr4//8BAAAAf39/AAEAAABkAAAAAAAAABQAAABAHwAAAAAAACYAAAAAAAAAwOD//wAAAAAmAAAAZAAAABYAAABMAAAAAAAAAAAAAAAEAAAAAAAAAAEAAACAgIAKAAAAACgAAAAoAAAAZAAAAGQAAAAAAAAAzMzMAAAAAABQAAAAUAAAAGQAAABkAAAAAAAAABcAAAAUAAAAAAAAAAAAAAD/fwAA/38AAAAAAAAJAAAABAAAANw7IAEeAAAAaAAAAAAAAAAAAAAAAAAAAAAAAAAAAAAAECcAABAnAAAAAAAAAAAAAAAAAAAAAAAAAAAAAAAAAAAAAAAAAAAAABQAAAAAAAAAwMD/AAAAAABkAAAAMgAAAAAAAABkAAAAAAAAAH9/fwAKAAAAIgAAABgAAAAAAAAAAAAAAAAAAAAAAAAAAAAAAAAAAAAkAAAAJAAAAAAAAAAHAAAAAAAAAAAAAAAAAAAAAAAAAAAAAAAAAAAAf39/ACUAAABYAAAAAAAAAAAAAAAAAAAAAAAAAAAAAAAAAAAAAAAAAAAAAAAAAAAAAAAAAAAAAAA/AAAAAAAAAKCGAQAAAAAAAAAAAAAAAAAMAAAAAQAAAAAAAAAAAAAAAAAAAB8AAABUAAAAAAAABQAAAAEAAAAAAAAAAAAAAAAAAAAAAAAAAAAAAAAAAAAAAAAAAAAAAAJ/f38AAAAAA8zMzADAwP8Af39/AAAAAAAAAAAAAAAAAAAAAAAAAAAAIQAAABgAAAAUAAAA7QUAABwbAACtRQAAfSMAABAAAAAmAAAACAAAAIGAAAAAAAAAMAAAABQAAAAAAAAAAAD//wAAAQAAAP//AAABAA=="/>
+                <pr:smNativeData xmlns:pr="smNativeData" xmlns="smNativeData" val="SMDATA_16_zLafZxMAAAAlAAAAZAAAAA8BAAAAkAAAAEgAAACQAAAASAAAAAAAAAAAAAAAAAAAAAEAAABQAAAAAAAAAAAA4D8AAAAAAADgPwAAAAAAAOA/AAAAAAAA4D8AAAAAAADgPwAAAAAAAOA/AAAAAAAA4D8AAAAAAADgPwAAAAAAAOA/AAAAAAAA4D8CAAAAjAAAAAAAAAAAAAAAu+DjDP///wgAAAAAAAAAAAAAAAAAAAAAAAAAAAAAAAAAAAAAZAAAAAEAAABAAAAAAAAAAAAAAAAAAAAAAAAAAAAAAAAAAAAAAAAAAAAAAAAAAAAAAAAAAAAAAAAAAAAAAAAAAAAAAAAAAAAAAAAAAAAAAAAAAAAAAAAAAAAAAAAAAAAAFAAAADwAAAAAAAAAAAAAAAAAAAkUAAAAAQAAABQAAAAUAAAAFAAAAAEAAAAAAAAAZAAAAGQAAAAAAAAAZAAAAGQAAAAVAAAAYAAAAAAAAAAAAAAADwAAACADAAAAAAAAAAAAAAEAAACgMgAAVgcAAKr4//8BAAAAf39/AAEAAABkAAAAAAAAABQAAABAHwAAAAAAACYAAAAAAAAAwOD//wAAAAAmAAAAZAAAABYAAABMAAAAAAAAAAAAAAAEAAAAAAAAAAEAAACAgIAKAAAAACgAAAAoAAAAZAAAAGQAAAAAAAAAzMzMAAAAAABQAAAAUAAAAGQAAABkAAAAAAAAABcAAAAUAAAAAAAAAAAAAAD/fwAA/38AAAAAAAAJAAAABAAAANw7IAEeAAAAaAAAAAAAAAAAAAAAAAAAAAAAAAAAAAAAECcAABAnAAAAAAAAAAAAAAAAAAAAAAAAAAAAAAAAAAAAAAAAAAAAABQAAAAAAAAAwMD/AAAAAABkAAAAMgAAAAAAAABkAAAAAAAAAH9/fwAKAAAAIgAAABgAAAAAAAAAAAAAAAAAAAAAAAAAAAAAAAAAAAAkAAAAJAAAAAAAAAAHAAAAAAAAAAAAAAAAAAAAAAAAAAAAAAAAAAAAf39/ACUAAABYAAAAAAAAAAAAAAAAAAAAAAAAAAAAAAAAAAAAAAAAAAAAAAAAAAAAAAAAAAAAAAA/AAAAAAAAAKCGAQAAAAAAAAAAAAAAAAAMAAAAAQAAAAAAAAAAAAAAAAAAAB8AAABUAAAAAAAABQAAAAEAAAAAAAAAAAAAAAAAAAAAAAAAAAAAAAAAAAAAAAAAAAAAAAJ/f38AAAAAA8zMzADAwP8Af39/AAAAAAAAAAAAAAAAAAAAAAAAAAAAIQAAABgAAAAUAAAA7QUAABwbAACtRQAAfSMAABAAAAAmAAAACAAAAIGAAAAAAAAAMAAAABQAAAAAAAAAAAD//wAAAQAAAP//AAABAA=="/>
               </a:ext>
             </a:extLst>
           </p:cNvSpPr>
@@ -1047,7 +1049,7 @@
             <a:spLocks noGrp="1" noChangeArrowheads="1"/>
             <a:extLst>
               <a:ext uri="smNativeData">
-                <pr:smNativeData xmlns:pr="smNativeData" xmlns="smNativeData" val="SMDATA_16_oViJZxMAAAAlAAAAZAAAAA8BAAAAkAAAAEgAAACQAAAASAAAAAAAAAACAAAAAAAAAAEAAABQAAAAAAAAAAAA4D8AAAAAAADgPwAAAAAAAOA/AAAAAAAA4D8AAAAAAADgPwAAAAAAAOA/AAAAAAAA4D8AAAAAAADgPwAAAAAAAOA/AAAAAAAA4D8CAAAAjAAAAAAAAAAAAAAAu+DjDP///wgAAAAAAAAAAAAAAAAAAAAAAAAAAAAAAAAAAAAAZAAAAAEAAABAAAAAAAAAAAAAAAAAAAAAAAAAAAAAAAAAAAAAAAAAAAAAAAAAAAAAAAAAAAAAAAAAAAAAAAAAAAAAAAAAAAAAAAAAAAAAAAAAAAAAAAAAAAAAAAAAAAAAFAAAADwAAAAAAAAAAAAAAAAAAAkUAAAAAQAAABQAAAAUAAAAFAAAAAEAAAAAAAAAZAAAAGQAAAAAAAAAZAAAAGQAAAAVAAAAYAAAAAAAAAAAAAAADwAAACADAAAAAAAAAAAAAAEAAACgMgAAVgcAAKr4//8BAAAAf39/AAEAAABkAAAAAAAAABQAAABAHwAAAAAAACYAAAAAAAAAwOD//wAAAAAmAAAAZAAAABYAAABMAAAAAAAAAAAAAAAEAAAAAAAAAAEAAACAgIAKAAAAACgAAAAoAAAAZAAAAGQAAAAAAAAAzMzMAAAAAABQAAAAUAAAAGQAAABkAAAAAAAAABcAAAAUAAAAAAAAAAAAAAD/fwAA/38AAAAAAAAJAAAABAAAANw7IAEeAAAAaAAAAAAAAAAAAAAAAAAAAAAAAAAAAAAAECcAABAnAAAAAAAAAAAAAAAAAAAAAAAAAAAAAAAAAAAAAAAAAAAAABQAAAAAAAAAwMD/AAAAAABkAAAAMgAAAAAAAABkAAAAAAAAAH9/fwAKAAAAIgAAABgAAAAAAAAAAAAAAAAAAAAAAAAAAAAAAAAAAAAkAAAAJAAAAAAAAAAHAAAAAAAAAAAAAAAAAAAAAAAAAAAAAAAAAAAAf39/ACUAAABYAAAAAAAAAAAAAAAAAAAAAAAAAAAAAAAAAAAAAAAAAAAAAAAAAAAAAAAAAAAAAAA/AAAAAAAAAKCGAQAAAAAAAAAAAAAAAAAMAAAAAQAAAAAAAAAAAAAAAAAAAB8AAABUAAAAAAAABQAAAAEAAAAAAAAAAAAAAAAAAAAAAAAAAAAAAAAAAAAAAAAAAAAAAAJ/f38AAAAAA8zMzADAwP8Af39/AAAAAAAAAAAAAAAAAAAAAAAAAAAAIQAAABgAAAAUAAAA7QUAAOERAACtRQAAHBsAABAAAAAmAAAACAAAAIGAAAAAAAAAMAAAABQAAAAAAAAAAAD//wAAAQAAAP//AAABAA=="/>
+                <pr:smNativeData xmlns:pr="smNativeData" xmlns="smNativeData" val="SMDATA_16_zLafZxMAAAAlAAAAZAAAAA8BAAAAkAAAAEgAAACQAAAASAAAAAAAAAACAAAAAAAAAAEAAABQAAAAAAAAAAAA4D8AAAAAAADgPwAAAAAAAOA/AAAAAAAA4D8AAAAAAADgPwAAAAAAAOA/AAAAAAAA4D8AAAAAAADgPwAAAAAAAOA/AAAAAAAA4D8CAAAAjAAAAAAAAAAAAAAAu+DjDP///wgAAAAAAAAAAAAAAAAAAAAAAAAAAAAAAAAAAAAAZAAAAAEAAABAAAAAAAAAAAAAAAAAAAAAAAAAAAAAAAAAAAAAAAAAAAAAAAAAAAAAAAAAAAAAAAAAAAAAAAAAAAAAAAAAAAAAAAAAAAAAAAAAAAAAAAAAAAAAAAAAAAAAFAAAADwAAAAAAAAAAAAAAAAAAAkUAAAAAQAAABQAAAAUAAAAFAAAAAEAAAAAAAAAZAAAAGQAAAAAAAAAZAAAAGQAAAAVAAAAYAAAAAAAAAAAAAAADwAAACADAAAAAAAAAAAAAAEAAACgMgAAVgcAAKr4//8BAAAAf39/AAEAAABkAAAAAAAAABQAAABAHwAAAAAAACYAAAAAAAAAwOD//wAAAAAmAAAAZAAAABYAAABMAAAAAAAAAAAAAAAEAAAAAAAAAAEAAACAgIAKAAAAACgAAAAoAAAAZAAAAGQAAAAAAAAAzMzMAAAAAABQAAAAUAAAAGQAAABkAAAAAAAAABcAAAAUAAAAAAAAAAAAAAD/fwAA/38AAAAAAAAJAAAABAAAANw7IAEeAAAAaAAAAAAAAAAAAAAAAAAAAAAAAAAAAAAAECcAABAnAAAAAAAAAAAAAAAAAAAAAAAAAAAAAAAAAAAAAAAAAAAAABQAAAAAAAAAwMD/AAAAAABkAAAAMgAAAAAAAABkAAAAAAAAAH9/fwAKAAAAIgAAABgAAAAAAAAAAAAAAAAAAAAAAAAAAAAAAAAAAAAkAAAAJAAAAAAAAAAHAAAAAAAAAAAAAAAAAAAAAAAAAAAAAAAAAAAAf39/ACUAAABYAAAAAAAAAAAAAAAAAAAAAAAAAAAAAAAAAAAAAAAAAAAAAAAAAAAAAAAAAAAAAAA/AAAAAAAAAKCGAQAAAAAAAAAAAAAAAAAMAAAAAQAAAAAAAAAAAAAAAAAAAB8AAABUAAAAAAAABQAAAAEAAAAAAAAAAAAAAAAAAAAAAAAAAAAAAAAAAAAAAAAAAAAAAAJ/f38AAAAAA8zMzADAwP8Af39/AAAAAAAAAAAAAAAAAAAAAAAAAAAAIQAAABgAAAAUAAAA7QUAAOERAACtRQAAHBsAABAAAAAmAAAACAAAAIGAAAAAAAAAMAAAABQAAAAAAAAAAAD//wAAAQAAAP//AAABAA=="/>
               </a:ext>
             </a:extLst>
           </p:cNvSpPr>
@@ -1120,7 +1122,7 @@
             <a:spLocks noGrp="1" noChangeArrowheads="1"/>
             <a:extLst>
               <a:ext uri="smNativeData">
-                <pr:smNativeData xmlns:pr="smNativeData" xmlns="smNativeData" val="SMDATA_16_oViJZxMAAAAlAAAAZAAAAA8BAAAAkAAAAEgAAACQAAAASAAAAAAAAAABAAAAAAAAAAEAAABQAAAAAAAAAAAA4D8AAAAAAADgPwAAAAAAAOA/AAAAAAAA4D8AAAAAAADgPwAAAAAAAOA/AAAAAAAA4D8AAAAAAADgPwAAAAAAAOA/AAAAAAAA4D8CAAAAjAAAAAAAAAAAAAAAu+DjDP///wgAAAAAAAAAAAAAAAAAAAAAAAAAAAAAAAAAAAAAZAAAAAEAAABAAAAAAAAAAAAAAAAAAAAAAAAAAAAAAAAAAAAAAAAAAAAAAAAAAAAAAAAAAAAAAAAAAAAAAAAAAAAAAAAAAAAAAAAAAAAAAAAAAAAAAAAAAAAAAAAAAAAAFAAAADwAAAAAAAAAAAAAAAAAAAkUAAAAAQAAABQAAAAUAAAAFAAAAAEAAAAAAAAAZAAAAGQAAAAAAAAAZAAAAGQAAAAVAAAAYAAAAAAAAAAAAAAADwAAACADAAAAAAAAAAAAAAEAAACgMgAAVgcAAKr4//8BAAAAf39/AAEAAABkAAAAAAAAABQAAABAHwAAAAAAACYAAAAAAAAAwOD//wAAAAAmAAAAZAAAABYAAABMAAAAAAAAAAAAAAAEAAAAAAAAAAEAAACAgIAKAAAAACgAAAAoAAAAZAAAAGQAAAAAAAAAzMzMAAAAAABQAAAAUAAAAGQAAABkAAAAAAAAABcAAAAUAAAAAAAAAAAAAAD/fwAA/38AAAAAAAAJAAAABAAAAAAAAAAeAAAAaAAAAAAAAAAAAAAAAAAAAAAAAAAAAAAAECcAABAnAAAAAAAAAAAAAAAAAAAAAAAAAAAAAAAAAAAAAAAAAAAAABQAAAAAAAAAwMD/AAAAAABkAAAAMgAAAAAAAABkAAAAAAAAAH9/fwAKAAAAIgAAABgAAAAAAAAAAAAAAAAAAAAAAAAAAAAAAAAAAAAkAAAAJAAAAAAAAAAHAAAAAAAAAAAAAAAAAAAAAAAAAAAAAAAAAAAAf39/ACUAAABYAAAAAAAAAAAAAAAAAAAAAAAAAAAAAAAAAAAAAAAAAAAAAAAAAAAAAAAAAAAAAAA/AAAAAAAAAKCGAQAAAAAAAAAAAAAAAAAMAAAAAQAAAAAAAAAAAAAAAAAAAB8AAABUAAAAAAAABQAAAAEAAAAAAAAAAAAAAAAAAAAAAAAAAAAAAAAAAAAAAAAAAAAAAAJ/f38AAAAAA8zMzADAwP8Af39/AAAAAAAAAAAAAAAAAAAAAAAAAAAAIQAAABgAAAAUAAAAwAMAABsnAAA/FQAAWSkAABAAAAAmAAAACAAAAAAAAAAAAAAAMAAAABQAAAAAAAAAAAD//wAAAQAAAP//AAABAA=="/>
+                <pr:smNativeData xmlns:pr="smNativeData" xmlns="smNativeData" val="SMDATA_16_zLafZxMAAAAlAAAAZAAAAA8BAAAAkAAAAEgAAACQAAAASAAAAAAAAAABAAAAAAAAAAEAAABQAAAAAAAAAAAA4D8AAAAAAADgPwAAAAAAAOA/AAAAAAAA4D8AAAAAAADgPwAAAAAAAOA/AAAAAAAA4D8AAAAAAADgPwAAAAAAAOA/AAAAAAAA4D8CAAAAjAAAAAAAAAAAAAAAu+DjDP///wgAAAAAAAAAAAAAAAAAAAAAAAAAAAAAAAAAAAAAZAAAAAEAAABAAAAAAAAAAAAAAAAAAAAAAAAAAAAAAAAAAAAAAAAAAAAAAAAAAAAAAAAAAAAAAAAAAAAAAAAAAAAAAAAAAAAAAAAAAAAAAAAAAAAAAAAAAAAAAAAAAAAAFAAAADwAAAAAAAAAAAAAAAAAAAkUAAAAAQAAABQAAAAUAAAAFAAAAAEAAAAAAAAAZAAAAGQAAAAAAAAAZAAAAGQAAAAVAAAAYAAAAAAAAAAAAAAADwAAACADAAAAAAAAAAAAAAEAAACgMgAAVgcAAKr4//8BAAAAf39/AAEAAABkAAAAAAAAABQAAABAHwAAAAAAACYAAAAAAAAAwOD//wAAAAAmAAAAZAAAABYAAABMAAAAAAAAAAAAAAAEAAAAAAAAAAEAAACAgIAKAAAAACgAAAAoAAAAZAAAAGQAAAAAAAAAzMzMAAAAAABQAAAAUAAAAGQAAABkAAAAAAAAABcAAAAUAAAAAAAAAAAAAAD/fwAA/38AAAAAAAAJAAAABAAAAAAAAAAeAAAAaAAAAAAAAAAAAAAAAAAAAAAAAAAAAAAAECcAABAnAAAAAAAAAAAAAAAAAAAAAAAAAAAAAAAAAAAAAAAAAAAAABQAAAAAAAAAwMD/AAAAAABkAAAAMgAAAAAAAABkAAAAAAAAAH9/fwAKAAAAIgAAABgAAAAAAAAAAAAAAAAAAAAAAAAAAAAAAAAAAAAkAAAAJAAAAAAAAAAHAAAAAAAAAAAAAAAAAAAAAAAAAAAAAAAAAAAAf39/ACUAAABYAAAAAAAAAAAAAAAAAAAAAAAAAAAAAAAAAAAAAAAAAAAAAAAAAAAAAAAAAAAAAAA/AAAAAAAAAKCGAQAAAAAAAAAAAAAAAAAMAAAAAQAAAAAAAAAAAAAAAAAAAB8AAABUAAAAAAAABQAAAAEAAAAAAAAAAAAAAAAAAAAAAAAAAAAAAAAAAAAAAAAAAAAAAAJ/f38AAAAAA8zMzADAwP8Af39/AAAAAAAAAAAAAAAAAAAAAAAAAAAAIQAAABgAAAAUAAAAwAMAABsnAAA/FQAAWSkAABAAAAAmAAAACAAAAAAAAAAAAAAAMAAAABQAAAAAAAAAAAD//wAAAQAAAP//AAABAA=="/>
               </a:ext>
             </a:extLst>
           </p:cNvSpPr>
@@ -1134,7 +1136,7 @@
           <a:lstStyle/>
           <a:p>
             <a:pPr/>
-            <a:fld id="{3D8E737B-35D0-DB85-9E36-C3D03D786896}" type="datetime1">
+            <a:fld id="{3FC4949A-D4D2-9162-9C7C-2237DA326A77}" type="datetime1">
               <a:t/>
             </a:fld>
           </a:p>
@@ -1147,7 +1149,7 @@
             <a:spLocks noGrp="1" noChangeArrowheads="1"/>
             <a:extLst>
               <a:ext uri="smNativeData">
-                <pr:smNativeData xmlns:pr="smNativeData" xmlns="smNativeData" val="SMDATA_16_oViJZxMAAAAlAAAAZAAAAA8BAAAAkAAAAEgAAACQAAAASAAAAAAAAAABAAAAAAAAAAEAAABQAAAAAAAAAAAA4D8AAAAAAADgPwAAAAAAAOA/AAAAAAAA4D8AAAAAAADgPwAAAAAAAOA/AAAAAAAA4D8AAAAAAADgPwAAAAAAAOA/AAAAAAAA4D8CAAAAjAAAAAAAAAAAAAAAu+DjDP///wgAAAAAAAAAAAAAAAAAAAAAAAAAAAAAAAAAAAAAZAAAAAEAAABAAAAAAAAAAAAAAAAAAAAAAAAAAAAAAAAAAAAAAAAAAAAAAAAAAAAAAAAAAAAAAAAAAAAAAAAAAAAAAAAAAAAAAAAAAAAAAAAAAAAAAAAAAAAAAAAAAAAAFAAAADwAAAAAAAAAAAAAAAAAAAkUAAAAAQAAABQAAAAUAAAAFAAAAAEAAAAAAAAAZAAAAGQAAAAAAAAAZAAAAGQAAAAVAAAAYAAAAAAAAAAAAAAADwAAACADAAAAAAAAAAAAAAEAAACgMgAAVgcAAKr4//8BAAAAf39/AAEAAABkAAAAAAAAABQAAABAHwAAAAAAACYAAAAAAAAAwOD//wAAAAAmAAAAZAAAABYAAABMAAAAAAAAAAAAAAAEAAAAAAAAAAEAAACAgIAKAAAAACgAAAAoAAAAZAAAAGQAAAAAAAAAzMzMAAAAAABQAAAAUAAAAGQAAABkAAAAAAAAABcAAAAUAAAAAAAAAAAAAAD/fwAA/38AAAAAAAAJAAAABAAAANw7IAEeAAAAaAAAAAAAAAAAAAAAAAAAAAAAAAAAAAAAECcAABAnAAAAAAAAAAAAAAAAAAAAAAAAAAAAAAAAAAAAAAAAAAAAABQAAAAAAAAAwMD/AAAAAABkAAAAMgAAAAAAAABkAAAAAAAAAH9/fwAKAAAAIgAAABgAAAAAAAAAAAAAAAAAAAAAAAAAAAAAAAAAAAAkAAAAJAAAAAAAAAAHAAAAAAAAAAAAAAAAAAAAAAAAAAAAAAAAAAAAf39/ACUAAABYAAAAAAAAAAAAAAAAAAAAAAAAAAAAAAAAAAAAAAAAAAAAAAAAAAAAAAAAAAAAAAA/AAAAAAAAAKCGAQAAAAAAAAAAAAAAAAAMAAAAAQAAAAAAAAAAAAAAAAAAAB8AAABUAAAAAAAABQAAAAEAAAAAAAAAAAAAAAAAAAAAAAAAAAAAAAAAAAAAAAAAAAAAAAJ/f38AAAAAA8zMzADAwP8Af39/AAAAAAAAAAAAAAAAAAAAAAAAAAAAIQAAABgAAAAUAAAAoRkAABsnAABfMQAAWSkAABAAAAAmAAAACAAAAAAAAAAAAAAAMAAAABQAAAAAAAAAAAD//wAAAQAAAP//AAABAA=="/>
+                <pr:smNativeData xmlns:pr="smNativeData" xmlns="smNativeData" val="SMDATA_16_zLafZxMAAAAlAAAAZAAAAA8BAAAAkAAAAEgAAACQAAAASAAAAAAAAAABAAAAAAAAAAEAAABQAAAAAAAAAAAA4D8AAAAAAADgPwAAAAAAAOA/AAAAAAAA4D8AAAAAAADgPwAAAAAAAOA/AAAAAAAA4D8AAAAAAADgPwAAAAAAAOA/AAAAAAAA4D8CAAAAjAAAAAAAAAAAAAAAu+DjDP///wgAAAAAAAAAAAAAAAAAAAAAAAAAAAAAAAAAAAAAZAAAAAEAAABAAAAAAAAAAAAAAAAAAAAAAAAAAAAAAAAAAAAAAAAAAAAAAAAAAAAAAAAAAAAAAAAAAAAAAAAAAAAAAAAAAAAAAAAAAAAAAAAAAAAAAAAAAAAAAAAAAAAAFAAAADwAAAAAAAAAAAAAAAAAAAkUAAAAAQAAABQAAAAUAAAAFAAAAAEAAAAAAAAAZAAAAGQAAAAAAAAAZAAAAGQAAAAVAAAAYAAAAAAAAAAAAAAADwAAACADAAAAAAAAAAAAAAEAAACgMgAAVgcAAKr4//8BAAAAf39/AAEAAABkAAAAAAAAABQAAABAHwAAAAAAACYAAAAAAAAAwOD//wAAAAAmAAAAZAAAABYAAABMAAAAAAAAAAAAAAAEAAAAAAAAAAEAAACAgIAKAAAAACgAAAAoAAAAZAAAAGQAAAAAAAAAzMzMAAAAAABQAAAAUAAAAGQAAABkAAAAAAAAABcAAAAUAAAAAAAAAAAAAAD/fwAA/38AAAAAAAAJAAAABAAAANw7IAEeAAAAaAAAAAAAAAAAAAAAAAAAAAAAAAAAAAAAECcAABAnAAAAAAAAAAAAAAAAAAAAAAAAAAAAAAAAAAAAAAAAAAAAABQAAAAAAAAAwMD/AAAAAABkAAAAMgAAAAAAAABkAAAAAAAAAH9/fwAKAAAAIgAAABgAAAAAAAAAAAAAAAAAAAAAAAAAAAAAAAAAAAAkAAAAJAAAAAAAAAAHAAAAAAAAAAAAAAAAAAAAAAAAAAAAAAAAAAAAf39/ACUAAABYAAAAAAAAAAAAAAAAAAAAAAAAAAAAAAAAAAAAAAAAAAAAAAAAAAAAAAAAAAAAAAA/AAAAAAAAAKCGAQAAAAAAAAAAAAAAAAAMAAAAAQAAAAAAAAAAAAAAAAAAAB8AAABUAAAAAAAABQAAAAEAAAAAAAAAAAAAAAAAAAAAAAAAAAAAAAAAAAAAAAAAAAAAAAJ/f38AAAAAA8zMzADAwP8Af39/AAAAAAAAAAAAAAAAAAAAAAAAAAAAIQAAABgAAAAUAAAAoRkAABsnAABfMQAAWSkAABAAAAAmAAAACAAAAAAAAAAAAAAAMAAAABQAAAAAAAAAAAD//wAAAQAAAP//AAABAA=="/>
               </a:ext>
             </a:extLst>
           </p:cNvSpPr>
@@ -1171,7 +1173,7 @@
             <a:spLocks noGrp="1" noChangeArrowheads="1"/>
             <a:extLst>
               <a:ext uri="smNativeData">
-                <pr:smNativeData xmlns:pr="smNativeData" xmlns="smNativeData" val="SMDATA_16_oViJZxMAAAAlAAAAZAAAAA8BAAAAkAAAAEgAAACQAAAASAAAAAAAAAABAAAAAAAAAAEAAABQAAAAAAAAAAAA4D8AAAAAAADgPwAAAAAAAOA/AAAAAAAA4D8AAAAAAADgPwAAAAAAAOA/AAAAAAAA4D8AAAAAAADgPwAAAAAAAOA/AAAAAAAA4D8CAAAAjAAAAAAAAAAAAAAAu+DjDP///wgAAAAAAAAAAAAAAAAAAAAAAAAAAAAAAAAAAAAAZAAAAAEAAABAAAAAAAAAAAAAAAAAAAAAAAAAAAAAAAAAAAAAAAAAAAAAAAAAAAAAAAAAAAAAAAAAAAAAAAAAAAAAAAAAAAAAAAAAAAAAAAAAAAAAAAAAAAAAAAAAAAAAFAAAADwAAAAAAAAAAAAAAAAAAAkUAAAAAQAAABQAAAAUAAAAFAAAAAEAAAAAAAAAZAAAAGQAAAAAAAAAZAAAAGQAAAAVAAAAYAAAAAAAAAAAAAAADwAAACADAAAAAAAAAAAAAAEAAACgMgAAVgcAAKr4//8BAAAAf39/AAEAAABkAAAAAAAAABQAAABAHwAAAAAAACYAAAAAAAAAwOD//wAAAAAmAAAAZAAAABYAAABMAAAAAAAAAAAAAAAEAAAAAAAAAAEAAACAgIAKAAAAACgAAAAoAAAAZAAAAGQAAAAAAAAAzMzMAAAAAABQAAAAUAAAAGQAAABkAAAAAAAAABcAAAAUAAAAAAAAAAAAAAD/fwAA/38AAAAAAAAJAAAABAAAANw7IAEeAAAAaAAAAAAAAAAAAAAAAAAAAAAAAAAAAAAAECcAABAnAAAAAAAAAAAAAAAAAAAAAAAAAAAAAAAAAAAAAAAAAAAAABQAAAAAAAAAwMD/AAAAAABkAAAAMgAAAAAAAABkAAAAAAAAAH9/fwAKAAAAIgAAABgAAAAAAAAAAAAAAAAAAAAAAAAAAAAAAAAAAAAkAAAAJAAAAAAAAAAHAAAAAAAAAAAAAAAAAAAAAAAAAAAAAAAAAAAAf39/ACUAAABYAAAAAAAAAAAAAAAAAAAAAAAAAAAAAAAAAAAAAAAAAAAAAAAAAAAAAAAAAAAAAAA/AAAAAAAAAKCGAQAAAAAAAAAAAAAAAAAMAAAAAQAAAAAAAAAAAAAAAAAAAB8AAABUAAAAAAAABQAAAAEAAAAAAAAAAAAAAAAAAAAAAAAAAAAAAAAAAAAAAAAAAAAAAAJ/f38AAAAAA8zMzADAwP8Af39/AAAAAAAAAAAAAAAAAAAAAAAAAAAAIQAAABgAAAAUAAAAwTUAABsnAABARwAAWSkAABAAAAAmAAAACAAAAAAAAAAAAAAAMAAAABQAAAAAAAAAAAD//wAAAQAAAP//AAABAA=="/>
+                <pr:smNativeData xmlns:pr="smNativeData" xmlns="smNativeData" val="SMDATA_16_zLafZxMAAAAlAAAAZAAAAA8BAAAAkAAAAEgAAACQAAAASAAAAAAAAAABAAAAAAAAAAEAAABQAAAAAAAAAAAA4D8AAAAAAADgPwAAAAAAAOA/AAAAAAAA4D8AAAAAAADgPwAAAAAAAOA/AAAAAAAA4D8AAAAAAADgPwAAAAAAAOA/AAAAAAAA4D8CAAAAjAAAAAAAAAAAAAAAu+DjDP///wgAAAAAAAAAAAAAAAAAAAAAAAAAAAAAAAAAAAAAZAAAAAEAAABAAAAAAAAAAAAAAAAAAAAAAAAAAAAAAAAAAAAAAAAAAAAAAAAAAAAAAAAAAAAAAAAAAAAAAAAAAAAAAAAAAAAAAAAAAAAAAAAAAAAAAAAAAAAAAAAAAAAAFAAAADwAAAAAAAAAAAAAAAAAAAkUAAAAAQAAABQAAAAUAAAAFAAAAAEAAAAAAAAAZAAAAGQAAAAAAAAAZAAAAGQAAAAVAAAAYAAAAAAAAAAAAAAADwAAACADAAAAAAAAAAAAAAEAAACgMgAAVgcAAKr4//8BAAAAf39/AAEAAABkAAAAAAAAABQAAABAHwAAAAAAACYAAAAAAAAAwOD//wAAAAAmAAAAZAAAABYAAABMAAAAAAAAAAAAAAAEAAAAAAAAAAEAAACAgIAKAAAAACgAAAAoAAAAZAAAAGQAAAAAAAAAzMzMAAAAAABQAAAAUAAAAGQAAABkAAAAAAAAABcAAAAUAAAAAAAAAAAAAAD/fwAA/38AAAAAAAAJAAAABAAAANw7IAEeAAAAaAAAAAAAAAAAAAAAAAAAAAAAAAAAAAAAECcAABAnAAAAAAAAAAAAAAAAAAAAAAAAAAAAAAAAAAAAAAAAAAAAABQAAAAAAAAAwMD/AAAAAABkAAAAMgAAAAAAAABkAAAAAAAAAH9/fwAKAAAAIgAAABgAAAAAAAAAAAAAAAAAAAAAAAAAAAAAAAAAAAAkAAAAJAAAAAAAAAAHAAAAAAAAAAAAAAAAAAAAAAAAAAAAAAAAAAAAf39/ACUAAABYAAAAAAAAAAAAAAAAAAAAAAAAAAAAAAAAAAAAAAAAAAAAAAAAAAAAAAAAAAAAAAA/AAAAAAAAAKCGAQAAAAAAAAAAAAAAAAAMAAAAAQAAAAAAAAAAAAAAAAAAAB8AAABUAAAAAAAABQAAAAEAAAAAAAAAAAAAAAAAAAAAAAAAAAAAAAAAAAAAAAAAAAAAAAJ/f38AAAAAA8zMzADAwP8Af39/AAAAAAAAAAAAAAAAAAAAAAAAAAAAIQAAABgAAAAUAAAAwTUAABsnAABARwAAWSkAABAAAAAmAAAACAAAAAAAAAAAAAAAMAAAABQAAAAAAAAAAAD//wAAAQAAAP//AAABAA=="/>
               </a:ext>
             </a:extLst>
           </p:cNvSpPr>
@@ -1185,7 +1187,7 @@
           <a:lstStyle/>
           <a:p>
             <a:pPr/>
-            <a:fld id="{3D8E1E5F-11D0-DBE8-9E36-E7BD507868B2}" type="slidenum">
+            <a:fld id="{3FC4D513-5DD2-9123-9C7C-AB769B326AFE}" type="slidenum">
               <a:t/>
             </a:fld>
           </a:p>
@@ -1224,7 +1226,7 @@
             <a:spLocks noGrp="1" noChangeArrowheads="1"/>
             <a:extLst>
               <a:ext uri="smNativeData">
-                <pr:smNativeData xmlns:pr="smNativeData" xmlns="smNativeData" val="SMDATA_16_oViJZxMAAAAlAAAAZAAAAA8BAAAAkAAAAEgAAACQAAAASAAAAAAAAAABAAAAAAAAAAEAAABQAAAAAAAAAAAA4D8AAAAAAADgPwAAAAAAAOA/AAAAAAAA4D8AAAAAAADgPwAAAAAAAOA/AAAAAAAA4D8AAAAAAADgPwAAAAAAAOA/AAAAAAAA4D8CAAAAjAAAAAAAAAAAAAAAu+DjDP///wgAAAAAAAAAAAAAAAAAAAAAAAAAAAAAAAAAAAAAZAAAAAEAAABAAAAAAAAAAAAAAAAAAAAAAAAAAAAAAAAAAAAAAAAAAAAAAAAAAAAAAAAAAAAAAAAAAAAAAAAAAAAAAAAAAAAAAAAAAAAAAAAAAAAAAAAAAAAAAAAAAAAAFAAAADwAAAAAAAAAAAAAAAAAAAkUAAAAAQAAABQAAAAUAAAAFAAAAAEAAAAAAAAAZAAAAGQAAAAAAAAAZAAAAGQAAAAVAAAAYAAAAAAAAAAAAAAADwAAACADAAAAAAAAAAAAAAEAAACgMgAAVgcAAKr4//8BAAAAf39/AAEAAABkAAAAAAAAABQAAABAHwAAAAAAACYAAAAAAAAAwOD//wAAAAAmAAAAZAAAABYAAABMAAAAAAAAAAAAAAAEAAAAAAAAAAEAAACAgIAKAAAAACgAAAAoAAAAZAAAAGQAAAAAAAAAzMzMAAAAAABQAAAAUAAAAGQAAABkAAAAAAAAABcAAAAUAAAAAAAAAAAAAAD/fwAA/38AAAAAAAAJAAAABAAAANw7IAEeAAAAaAAAAAAAAAAAAAAAAAAAAAAAAAAAAAAAECcAABAnAAAAAAAAAAAAAAAAAAAAAAAAAAAAAAAAAAAAAAAAAAAAABQAAAAAAAAAwMD/AAAAAABkAAAAMgAAAAAAAABkAAAAAAAAAH9/fwAKAAAAIgAAABgAAAAAAAAAAAAAAAAAAAAAAAAAAAAAAAAAAAAkAAAAJAAAAAAAAAAHAAAAAAAAAAAAAAAAAAAAAAAAAAAAAAAAAAAAf39/ACUAAABYAAAAAAAAAAAAAAAAAAAAAAAAAAAAAAAAAAAAAAAAAAAAAAAAAAAAAAAAAAAAAAA/AAAAAAAAAKCGAQAAAAAAAAAAAAAAAAAMAAAAAQAAAAAAAAAAAAAAAAAAAB8AAABUAAAAAAAABQAAAAEAAAAAAAAAAAAAAAAAAAAAAAAAAAAAAAAAAAAAAAAAAAAAAAJ/f38AAAAAA8zMzADAwP8Af39/AAAAAAAAAAAAAAAAAAAAAAAAAAAAIQAAABgAAAAUAAAAwAMAALABAABARwAAuAgAABAAAAAmAAAACAAAAAAAAAAAAAAAMAAAABQAAAAAAAAAAAD//wAAAQAAAP//AAABAA=="/>
+                <pr:smNativeData xmlns:pr="smNativeData" xmlns="smNativeData" val="SMDATA_16_zLafZxMAAAAlAAAAZAAAAA8BAAAAkAAAAEgAAACQAAAASAAAAAAAAAABAAAAAAAAAAEAAABQAAAAAAAAAAAA4D8AAAAAAADgPwAAAAAAAOA/AAAAAAAA4D8AAAAAAADgPwAAAAAAAOA/AAAAAAAA4D8AAAAAAADgPwAAAAAAAOA/AAAAAAAA4D8CAAAAjAAAAAAAAAAAAAAAu+DjDP///wgAAAAAAAAAAAAAAAAAAAAAAAAAAAAAAAAAAAAAZAAAAAEAAABAAAAAAAAAAAAAAAAAAAAAAAAAAAAAAAAAAAAAAAAAAAAAAAAAAAAAAAAAAAAAAAAAAAAAAAAAAAAAAAAAAAAAAAAAAAAAAAAAAAAAAAAAAAAAAAAAAAAAFAAAADwAAAAAAAAAAAAAAAAAAAkUAAAAAQAAABQAAAAUAAAAFAAAAAEAAAAAAAAAZAAAAGQAAAAAAAAAZAAAAGQAAAAVAAAAYAAAAAAAAAAAAAAADwAAACADAAAAAAAAAAAAAAEAAACgMgAAVgcAAKr4//8BAAAAf39/AAEAAABkAAAAAAAAABQAAABAHwAAAAAAACYAAAAAAAAAwOD//wAAAAAmAAAAZAAAABYAAABMAAAAAAAAAAAAAAAEAAAAAAAAAAEAAACAgIAKAAAAACgAAAAoAAAAZAAAAGQAAAAAAAAAzMzMAAAAAABQAAAAUAAAAGQAAABkAAAAAAAAABcAAAAUAAAAAAAAAAAAAAD/fwAA/38AAAAAAAAJAAAABAAAANw7IAEeAAAAaAAAAAAAAAAAAAAAAAAAAAAAAAAAAAAAECcAABAnAAAAAAAAAAAAAAAAAAAAAAAAAAAAAAAAAAAAAAAAAAAAABQAAAAAAAAAwMD/AAAAAABkAAAAMgAAAAAAAABkAAAAAAAAAH9/fwAKAAAAIgAAABgAAAAAAAAAAAAAAAAAAAAAAAAAAAAAAAAAAAAkAAAAJAAAAAAAAAAHAAAAAAAAAAAAAAAAAAAAAAAAAAAAAAAAAAAAf39/ACUAAABYAAAAAAAAAAAAAAAAAAAAAAAAAAAAAAAAAAAAAAAAAAAAAAAAAAAAAAAAAAAAAAA/AAAAAAAAAKCGAQAAAAAAAAAAAAAAAAAMAAAAAQAAAAAAAAAAAAAAAAAAAB8AAABUAAAAAAAABQAAAAEAAAAAAAAAAAAAAAAAAAAAAAAAAAAAAAAAAAAAAAAAAAAAAAJ/f38AAAAAA8zMzADAwP8Af39/AAAAAAAAAAAAAAAAAAAAAAAAAAAAIQAAABgAAAAUAAAAwAMAALABAABARwAAuAgAABAAAAAmAAAACAAAAAAAAAAAAAAAMAAAABQAAAAAAAAAAAD//wAAAQAAAP//AAABAA=="/>
               </a:ext>
             </a:extLst>
           </p:cNvSpPr>
@@ -1251,7 +1253,7 @@
             <a:spLocks noGrp="1" noChangeArrowheads="1"/>
             <a:extLst>
               <a:ext uri="smNativeData">
-                <pr:smNativeData xmlns:pr="smNativeData" xmlns="smNativeData" val="SMDATA_16_oViJZxMAAAAlAAAAZAAAAA8BAAAAkAAAAEgAAACQAAAASAAAAAAAAAAAAAAAAAAAAAEAAABQAAAAAAAAAAAA4D8AAAAAAADgPwAAAAAAAOA/AAAAAAAA4D8AAAAAAADgPwAAAAAAAOA/AAAAAAAA4D8AAAAAAADgPwAAAAAAAOA/AAAAAAAA4D8CAAAAjAAAAAAAAAAAAAAAu+DjDP///wgAAAAAAAAAAAAAAAAAAAAAAAAAAAAAAAAAAAAAZAAAAAEAAABAAAAAAAAAAAAAAAAAAAAAAAAAAAAAAAAAAAAAAAAAAAAAAAAAAAAAAAAAAAAAAAAAAAAAAAAAAAAAAAAAAAAAAAAAAAAAAAAAAAAAAAAAAAAAAAAAAAAAFAAAADwAAAAAAAAAAAAAAAAAAAkUAAAAAQAAABQAAAAUAAAAFAAAAAEAAAAAAAAAZAAAAGQAAAAAAAAAZAAAAGQAAAAVAAAAYAAAAAAAAAAAAAAADwAAACADAAAAAAAAAAAAAAEAAACgMgAAVgcAAKr4//8BAAAAf39/AAEAAABkAAAAAAAAABQAAABAHwAAAAAAACYAAAAAAAAAwOD//wAAAAAmAAAAZAAAABYAAABMAAAAAAAAAAAAAAAEAAAAAAAAAAEAAACAgIAKAAAAACgAAAAoAAAAZAAAAGQAAAAAAAAAzMzMAAAAAABQAAAAUAAAAGQAAABkAAAAAAAAABcAAAAUAAAAAAAAAAAAAAD/fwAA/38AAAAAAAAJAAAABAAAANw7IAEeAAAAaAAAAAAAAAAAAAAAAAAAAAAAAAAAAAAAECcAABAnAAAAAAAAAAAAAAAAAAAAAAAAAAAAAAAAAAAAAAAAAAAAABQAAAAAAAAAwMD/AAAAAABkAAAAMgAAAAAAAABkAAAAAAAAAH9/fwAKAAAAIgAAABgAAAAAAAAAAAAAAAAAAAAAAAAAAAAAAAAAAAAkAAAAJAAAAAAAAAAHAAAAAAAAAAAAAAAAAAAAAAAAAAAAAAAAAAAAf39/ACUAAABYAAAAAAAAAAAAAAAAAAAAAAAAAAAAAAAAAAAAAAAAAAAAAAAAAAAAAAAAAAAAAAA/AAAAAAAAAKCGAQAAAAAAAAAAAAAAAAAMAAAAAQAAAAAAAAAAAAAAAAAAAB8AAABUAAAAAAAABQAAAAEAAAAAAAAAAAAAAAAAAAAAAAAAAAAAAAAAAAAAAAAAAAAAAAJ/f38AAAAAA8zMzADAwP8Af39/AAAAAAAAAAAAAAAAAAAAAAAAAAAAIQAAABgAAAAUAAAAwAMAANgJAADhJAAAsCUAABAAAAAmAAAACAAAAAGAAAAAAAAAMAAAABQAAAAAAAAAAAD//wAAAQAAAP//AAABAA=="/>
+                <pr:smNativeData xmlns:pr="smNativeData" xmlns="smNativeData" val="SMDATA_16_zLafZxMAAAAlAAAAZAAAAA8BAAAAkAAAAEgAAACQAAAASAAAAAAAAAAAAAAAAAAAAAEAAABQAAAAAAAAAAAA4D8AAAAAAADgPwAAAAAAAOA/AAAAAAAA4D8AAAAAAADgPwAAAAAAAOA/AAAAAAAA4D8AAAAAAADgPwAAAAAAAOA/AAAAAAAA4D8CAAAAjAAAAAAAAAAAAAAAu+DjDP///wgAAAAAAAAAAAAAAAAAAAAAAAAAAAAAAAAAAAAAZAAAAAEAAABAAAAAAAAAAAAAAAAAAAAAAAAAAAAAAAAAAAAAAAAAAAAAAAAAAAAAAAAAAAAAAAAAAAAAAAAAAAAAAAAAAAAAAAAAAAAAAAAAAAAAAAAAAAAAAAAAAAAAFAAAADwAAAAAAAAAAAAAAAAAAAkUAAAAAQAAABQAAAAUAAAAFAAAAAEAAAAAAAAAZAAAAGQAAAAAAAAAZAAAAGQAAAAVAAAAYAAAAAAAAAAAAAAADwAAACADAAAAAAAAAAAAAAEAAACgMgAAVgcAAKr4//8BAAAAf39/AAEAAABkAAAAAAAAABQAAABAHwAAAAAAACYAAAAAAAAAwOD//wAAAAAmAAAAZAAAABYAAABMAAAAAAAAAAAAAAAEAAAAAAAAAAEAAACAgIAKAAAAACgAAAAoAAAAZAAAAGQAAAAAAAAAzMzMAAAAAABQAAAAUAAAAGQAAABkAAAAAAAAABcAAAAUAAAAAAAAAAAAAAD/fwAA/38AAAAAAAAJAAAABAAAANw7IAEeAAAAaAAAAAAAAAAAAAAAAAAAAAAAAAAAAAAAECcAABAnAAAAAAAAAAAAAAAAAAAAAAAAAAAAAAAAAAAAAAAAAAAAABQAAAAAAAAAwMD/AAAAAABkAAAAMgAAAAAAAABkAAAAAAAAAH9/fwAKAAAAIgAAABgAAAAAAAAAAAAAAAAAAAAAAAAAAAAAAAAAAAAkAAAAJAAAAAAAAAAHAAAAAAAAAAAAAAAAAAAAAAAAAAAAAAAAAAAAf39/ACUAAABYAAAAAAAAAAAAAAAAAAAAAAAAAAAAAAAAAAAAAAAAAAAAAAAAAAAAAAAAAAAAAAA/AAAAAAAAAKCGAQAAAAAAAAAAAAAAAAAMAAAAAQAAAAAAAAAAAAAAAAAAAB8AAABUAAAAAAAABQAAAAEAAAAAAAAAAAAAAAAAAAAAAAAAAAAAAAAAAAAAAAAAAAAAAAJ/f38AAAAAA8zMzADAwP8Af39/AAAAAAAAAAAAAAAAAAAAAAAAAAAAIQAAABgAAAAUAAAAwAMAANgJAADhJAAAsCUAABAAAAAmAAAACAAAAAGAAAAAAAAAMAAAABQAAAAAAAAAAAD//wAAAQAAAP//AAABAA=="/>
               </a:ext>
             </a:extLst>
           </p:cNvSpPr>
@@ -1335,7 +1337,7 @@
             <a:spLocks noGrp="1" noChangeArrowheads="1"/>
             <a:extLst>
               <a:ext uri="smNativeData">
-                <pr:smNativeData xmlns:pr="smNativeData" xmlns="smNativeData" val="SMDATA_16_oViJZxMAAAAlAAAAZAAAAA8BAAAAkAAAAEgAAACQAAAASAAAAAAAAAAAAAAAAAAAAAEAAABQAAAAAAAAAAAA4D8AAAAAAADgPwAAAAAAAOA/AAAAAAAA4D8AAAAAAADgPwAAAAAAAOA/AAAAAAAA4D8AAAAAAADgPwAAAAAAAOA/AAAAAAAA4D8CAAAAjAAAAAAAAAAAAAAAu+DjDP///wgAAAAAAAAAAAAAAAAAAAAAAAAAAAAAAAAAAAAAZAAAAAEAAABAAAAAAAAAAAAAAAAAAAAAAAAAAAAAAAAAAAAAAAAAAAAAAAAAAAAAAAAAAAAAAAAAAAAAAAAAAAAAAAAAAAAAAAAAAAAAAAAAAAAAAAAAAAAAAAAAAAAAFAAAADwAAAAAAAAAAAAAAAAAAAkUAAAAAQAAABQAAAAUAAAAFAAAAAEAAAAAAAAAZAAAAGQAAAAAAAAAZAAAAGQAAAAVAAAAYAAAAAAAAAAAAAAADwAAACADAAAAAAAAAAAAAAEAAACgMgAAVgcAAKr4//8BAAAAf39/AAEAAABkAAAAAAAAABQAAABAHwAAAAAAACYAAAAAAAAAwOD//wAAAAAmAAAAZAAAABYAAABMAAAAAAAAAAAAAAAEAAAAAAAAAAEAAACAgIAKAAAAACgAAAAoAAAAZAAAAGQAAAAAAAAAzMzMAAAAAABQAAAAUAAAAGQAAABkAAAAAAAAABcAAAAUAAAAAAAAAAAAAAD/fwAA/38AAAAAAAAJAAAABAAAANw7IAEeAAAAaAAAAAAAAAAAAAAAAAAAAAAAAAAAAAAAECcAABAnAAAAAAAAAAAAAAAAAAAAAAAAAAAAAAAAAAAAAAAAAAAAABQAAAAAAAAAwMD/AAAAAABkAAAAMgAAAAAAAABkAAAAAAAAAH9/fwAKAAAAIgAAABgAAAAAAAAAAAAAAAAAAAAAAAAAAAAAAAAAAAAkAAAAJAAAAAAAAAAHAAAAAAAAAAAAAAAAAAAAAAAAAAAAAAAAAAAAf39/ACUAAABYAAAAAAAAAAAAAAAAAAAAAAAAAAAAAAAAAAAAAAAAAAAAAAAAAAAAAAAAAAAAAAA/AAAAAAAAAKCGAQAAAAAAAAAAAAAAAAAMAAAAAQAAAAAAAAAAAAAAAAAAAB8AAABUAAAAAAAABQAAAAEAAAAAAAAAAAAAAAAAAAAAAAAAAAAAAAAAAAAAAAAAAAAAAAJ/f38AAAAAA8zMzADAwP8Af39/AAAAAAAAAAAAAAAAAAAAAAAAAAAAIQAAABgAAAAUAAAAHyYAANgJAABARwAAsCUAABAAAAAmAAAACAAAAAGAAAAAAAAAMAAAABQAAAAAAAAAAAD//wAAAQAAAP//AAABAA=="/>
+                <pr:smNativeData xmlns:pr="smNativeData" xmlns="smNativeData" val="SMDATA_16_zLafZxMAAAAlAAAAZAAAAA8BAAAAkAAAAEgAAACQAAAASAAAAAAAAAAAAAAAAAAAAAEAAABQAAAAAAAAAAAA4D8AAAAAAADgPwAAAAAAAOA/AAAAAAAA4D8AAAAAAADgPwAAAAAAAOA/AAAAAAAA4D8AAAAAAADgPwAAAAAAAOA/AAAAAAAA4D8CAAAAjAAAAAAAAAAAAAAAu+DjDP///wgAAAAAAAAAAAAAAAAAAAAAAAAAAAAAAAAAAAAAZAAAAAEAAABAAAAAAAAAAAAAAAAAAAAAAAAAAAAAAAAAAAAAAAAAAAAAAAAAAAAAAAAAAAAAAAAAAAAAAAAAAAAAAAAAAAAAAAAAAAAAAAAAAAAAAAAAAAAAAAAAAAAAFAAAADwAAAAAAAAAAAAAAAAAAAkUAAAAAQAAABQAAAAUAAAAFAAAAAEAAAAAAAAAZAAAAGQAAAAAAAAAZAAAAGQAAAAVAAAAYAAAAAAAAAAAAAAADwAAACADAAAAAAAAAAAAAAEAAACgMgAAVgcAAKr4//8BAAAAf39/AAEAAABkAAAAAAAAABQAAABAHwAAAAAAACYAAAAAAAAAwOD//wAAAAAmAAAAZAAAABYAAABMAAAAAAAAAAAAAAAEAAAAAAAAAAEAAACAgIAKAAAAACgAAAAoAAAAZAAAAGQAAAAAAAAAzMzMAAAAAABQAAAAUAAAAGQAAABkAAAAAAAAABcAAAAUAAAAAAAAAAAAAAD/fwAA/38AAAAAAAAJAAAABAAAANw7IAEeAAAAaAAAAAAAAAAAAAAAAAAAAAAAAAAAAAAAECcAABAnAAAAAAAAAAAAAAAAAAAAAAAAAAAAAAAAAAAAAAAAAAAAABQAAAAAAAAAwMD/AAAAAABkAAAAMgAAAAAAAABkAAAAAAAAAH9/fwAKAAAAIgAAABgAAAAAAAAAAAAAAAAAAAAAAAAAAAAAAAAAAAAkAAAAJAAAAAAAAAAHAAAAAAAAAAAAAAAAAAAAAAAAAAAAAAAAAAAAf39/ACUAAABYAAAAAAAAAAAAAAAAAAAAAAAAAAAAAAAAAAAAAAAAAAAAAAAAAAAAAAAAAAAAAAA/AAAAAAAAAKCGAQAAAAAAAAAAAAAAAAAMAAAAAQAAAAAAAAAAAAAAAAAAAB8AAABUAAAAAAAABQAAAAEAAAAAAAAAAAAAAAAAAAAAAAAAAAAAAAAAAAAAAAAAAAAAAAJ/f38AAAAAA8zMzADAwP8Af39/AAAAAAAAAAAAAAAAAAAAAAAAAAAAIQAAABgAAAAUAAAAHyYAANgJAABARwAAsCUAABAAAAAmAAAACAAAAAGAAAAAAAAAMAAAABQAAAAAAAAAAAD//wAAAQAAAP//AAABAA=="/>
               </a:ext>
             </a:extLst>
           </p:cNvSpPr>
@@ -1419,7 +1421,7 @@
             <a:spLocks noGrp="1" noChangeArrowheads="1"/>
             <a:extLst>
               <a:ext uri="smNativeData">
-                <pr:smNativeData xmlns:pr="smNativeData" xmlns="smNativeData" val="SMDATA_16_oViJZxMAAAAlAAAAZAAAAA8BAAAAkAAAAEgAAACQAAAASAAAAAAAAAABAAAAAAAAAAEAAABQAAAAAAAAAAAA4D8AAAAAAADgPwAAAAAAAOA/AAAAAAAA4D8AAAAAAADgPwAAAAAAAOA/AAAAAAAA4D8AAAAAAADgPwAAAAAAAOA/AAAAAAAA4D8CAAAAjAAAAAAAAAAAAAAAu+DjDP///wgAAAAAAAAAAAAAAAAAAAAAAAAAAAAAAAAAAAAAZAAAAAEAAABAAAAAAAAAAAAAAAAAAAAAAAAAAAAAAAAAAAAAAAAAAAAAAAAAAAAAAAAAAAAAAAAAAAAAAAAAAAAAAAAAAAAAAAAAAAAAAAAAAAAAAAAAAAAAAAAAAAAAFAAAADwAAAAAAAAAAAAAAAAAAAkUAAAAAQAAABQAAAAUAAAAFAAAAAEAAAAAAAAAZAAAAGQAAAAAAAAAZAAAAGQAAAAVAAAAYAAAAAAAAAAAAAAADwAAACADAAAAAAAAAAAAAAEAAACgMgAAVgcAAKr4//8BAAAAf39/AAEAAABkAAAAAAAAABQAAABAHwAAAAAAACYAAAAAAAAAwOD//wAAAAAmAAAAZAAAABYAAABMAAAAAAAAAAAAAAAEAAAAAAAAAAEAAACAgIAKAAAAACgAAAAoAAAAZAAAAGQAAAAAAAAAzMzMAAAAAABQAAAAUAAAAGQAAABkAAAAAAAAABcAAAAUAAAAAAAAAAAAAAD/fwAA/38AAAAAAAAJAAAABAAAANw7IAEeAAAAaAAAAAAAAAAAAAAAAAAAAAAAAAAAAAAAECcAABAnAAAAAAAAAAAAAAAAAAAAAAAAAAAAAAAAAAAAAAAAAAAAABQAAAAAAAAAwMD/AAAAAABkAAAAMgAAAAAAAABkAAAAAAAAAH9/fwAKAAAAIgAAABgAAAAAAAAAAAAAAAAAAAAAAAAAAAAAAAAAAAAkAAAAJAAAAAAAAAAHAAAAAAAAAAAAAAAAAAAAAAAAAAAAAAAAAAAAf39/ACUAAABYAAAAAAAAAAAAAAAAAAAAAAAAAAAAAAAAAAAAAAAAAAAAAAAAAAAAAAAAAAAAAAA/AAAAAAAAAKCGAQAAAAAAAAAAAAAAAAAMAAAAAQAAAAAAAAAAAAAAAAAAAB8AAABUAAAAAAAABQAAAAEAAAAAAAAAAAAAAAAAAAAAAAAAAAAAAAAAAAAAAAAAAAAAAAJ/f38AAAAAA8zMzADAwP8Af39/AAAAAAAAAAAAAAAAAAAAAAAAAAAAIQAAABgAAAAUAAAAwAMAABsnAAA/FQAAWSkAABAAAAAmAAAACAAAAAAAAAAAAAAAMAAAABQAAAAAAAAAAAD//wAAAQAAAP//AAABAA=="/>
+                <pr:smNativeData xmlns:pr="smNativeData" xmlns="smNativeData" val="SMDATA_16_zLafZxMAAAAlAAAAZAAAAA8BAAAAkAAAAEgAAACQAAAASAAAAAAAAAABAAAAAAAAAAEAAABQAAAAAAAAAAAA4D8AAAAAAADgPwAAAAAAAOA/AAAAAAAA4D8AAAAAAADgPwAAAAAAAOA/AAAAAAAA4D8AAAAAAADgPwAAAAAAAOA/AAAAAAAA4D8CAAAAjAAAAAAAAAAAAAAAu+DjDP///wgAAAAAAAAAAAAAAAAAAAAAAAAAAAAAAAAAAAAAZAAAAAEAAABAAAAAAAAAAAAAAAAAAAAAAAAAAAAAAAAAAAAAAAAAAAAAAAAAAAAAAAAAAAAAAAAAAAAAAAAAAAAAAAAAAAAAAAAAAAAAAAAAAAAAAAAAAAAAAAAAAAAAFAAAADwAAAAAAAAAAAAAAAAAAAkUAAAAAQAAABQAAAAUAAAAFAAAAAEAAAAAAAAAZAAAAGQAAAAAAAAAZAAAAGQAAAAVAAAAYAAAAAAAAAAAAAAADwAAACADAAAAAAAAAAAAAAEAAACgMgAAVgcAAKr4//8BAAAAf39/AAEAAABkAAAAAAAAABQAAABAHwAAAAAAACYAAAAAAAAAwOD//wAAAAAmAAAAZAAAABYAAABMAAAAAAAAAAAAAAAEAAAAAAAAAAEAAACAgIAKAAAAACgAAAAoAAAAZAAAAGQAAAAAAAAAzMzMAAAAAABQAAAAUAAAAGQAAABkAAAAAAAAABcAAAAUAAAAAAAAAAAAAAD/fwAA/38AAAAAAAAJAAAABAAAANw7IAEeAAAAaAAAAAAAAAAAAAAAAAAAAAAAAAAAAAAAECcAABAnAAAAAAAAAAAAAAAAAAAAAAAAAAAAAAAAAAAAAAAAAAAAABQAAAAAAAAAwMD/AAAAAABkAAAAMgAAAAAAAABkAAAAAAAAAH9/fwAKAAAAIgAAABgAAAAAAAAAAAAAAAAAAAAAAAAAAAAAAAAAAAAkAAAAJAAAAAAAAAAHAAAAAAAAAAAAAAAAAAAAAAAAAAAAAAAAAAAAf39/ACUAAABYAAAAAAAAAAAAAAAAAAAAAAAAAAAAAAAAAAAAAAAAAAAAAAAAAAAAAAAAAAAAAAA/AAAAAAAAAKCGAQAAAAAAAAAAAAAAAAAMAAAAAQAAAAAAAAAAAAAAAAAAAB8AAABUAAAAAAAABQAAAAEAAAAAAAAAAAAAAAAAAAAAAAAAAAAAAAAAAAAAAAAAAAAAAAJ/f38AAAAAA8zMzADAwP8Af39/AAAAAAAAAAAAAAAAAAAAAAAAAAAAIQAAABgAAAAUAAAAwAMAABsnAAA/FQAAWSkAABAAAAAmAAAACAAAAAAAAAAAAAAAMAAAABQAAAAAAAAAAAD//wAAAQAAAP//AAABAA=="/>
               </a:ext>
             </a:extLst>
           </p:cNvSpPr>
@@ -1433,7 +1435,7 @@
           <a:lstStyle/>
           <a:p>
             <a:pPr/>
-            <a:fld id="{3D8E52BB-F5D0-DBA4-9E36-03F11C786856}" type="datetime1">
+            <a:fld id="{3FC4CE96-D8D2-9138-9C7C-2E6D80326A7B}" type="datetime1">
               <a:t/>
             </a:fld>
           </a:p>
@@ -1446,7 +1448,7 @@
             <a:spLocks noGrp="1" noChangeArrowheads="1"/>
             <a:extLst>
               <a:ext uri="smNativeData">
-                <pr:smNativeData xmlns:pr="smNativeData" xmlns="smNativeData" val="SMDATA_16_oViJZxMAAAAlAAAAZAAAAA8BAAAAkAAAAEgAAACQAAAASAAAAAAAAAABAAAAAAAAAAEAAABQAAAAAAAAAAAA4D8AAAAAAADgPwAAAAAAAOA/AAAAAAAA4D8AAAAAAADgPwAAAAAAAOA/AAAAAAAA4D8AAAAAAADgPwAAAAAAAOA/AAAAAAAA4D8CAAAAjAAAAAAAAAAAAAAAu+DjDP///wgAAAAAAAAAAAAAAAAAAAAAAAAAAAAAAAAAAAAAZAAAAAEAAABAAAAAAAAAAAAAAAAAAAAAAAAAAAAAAAAAAAAAAAAAAAAAAAAAAAAAAAAAAAAAAAAAAAAAAAAAAAAAAAAAAAAAAAAAAAAAAAAAAAAAAAAAAAAAAAAAAAAAFAAAADwAAAAAAAAAAAAAAAAAAAkUAAAAAQAAABQAAAAUAAAAFAAAAAEAAAAAAAAAZAAAAGQAAAAAAAAAZAAAAGQAAAAVAAAAYAAAAAAAAAAAAAAADwAAACADAAAAAAAAAAAAAAEAAACgMgAAVgcAAKr4//8BAAAAf39/AAEAAABkAAAAAAAAABQAAABAHwAAAAAAACYAAAAAAAAAwOD//wAAAAAmAAAAZAAAABYAAABMAAAAAAAAAAAAAAAEAAAAAAAAAAEAAACAgIAKAAAAACgAAAAoAAAAZAAAAGQAAAAAAAAAzMzMAAAAAABQAAAAUAAAAGQAAABkAAAAAAAAABcAAAAUAAAAAAAAAAAAAAD/fwAA/38AAAAAAAAJAAAABAAAANw7IAEeAAAAaAAAAAAAAAAAAAAAAAAAAAAAAAAAAAAAECcAABAnAAAAAAAAAAAAAAAAAAAAAAAAAAAAAAAAAAAAAAAAAAAAABQAAAAAAAAAwMD/AAAAAABkAAAAMgAAAAAAAABkAAAAAAAAAH9/fwAKAAAAIgAAABgAAAAAAAAAAAAAAAAAAAAAAAAAAAAAAAAAAAAkAAAAJAAAAAAAAAAHAAAAAAAAAAAAAAAAAAAAAAAAAAAAAAAAAAAAf39/ACUAAABYAAAAAAAAAAAAAAAAAAAAAAAAAAAAAAAAAAAAAAAAAAAAAAAAAAAAAAAAAAAAAAA/AAAAAAAAAKCGAQAAAAAAAAAAAAAAAAAMAAAAAQAAAAAAAAAAAAAAAAAAAB8AAABUAAAAAAAABQAAAAEAAAAAAAAAAAAAAAAAAAAAAAAAAAAAAAAAAAAAAAAAAAAAAAJ/f38AAAAAA8zMzADAwP8Af39/AAAAAAAAAAAAAAAAAAAAAAAAAAAAIQAAABgAAAAUAAAAoRkAABsnAABfMQAAWSkAABAAAAAmAAAACAAAAAAAAAAAAAAAMAAAABQAAAAAAAAAAAD//wAAAQAAAP//AAABAA=="/>
+                <pr:smNativeData xmlns:pr="smNativeData" xmlns="smNativeData" val="SMDATA_16_zLafZxMAAAAlAAAAZAAAAA8BAAAAkAAAAEgAAACQAAAASAAAAAAAAAABAAAAAAAAAAEAAABQAAAAAAAAAAAA4D8AAAAAAADgPwAAAAAAAOA/AAAAAAAA4D8AAAAAAADgPwAAAAAAAOA/AAAAAAAA4D8AAAAAAADgPwAAAAAAAOA/AAAAAAAA4D8CAAAAjAAAAAAAAAAAAAAAu+DjDP///wgAAAAAAAAAAAAAAAAAAAAAAAAAAAAAAAAAAAAAZAAAAAEAAABAAAAAAAAAAAAAAAAAAAAAAAAAAAAAAAAAAAAAAAAAAAAAAAAAAAAAAAAAAAAAAAAAAAAAAAAAAAAAAAAAAAAAAAAAAAAAAAAAAAAAAAAAAAAAAAAAAAAAFAAAADwAAAAAAAAAAAAAAAAAAAkUAAAAAQAAABQAAAAUAAAAFAAAAAEAAAAAAAAAZAAAAGQAAAAAAAAAZAAAAGQAAAAVAAAAYAAAAAAAAAAAAAAADwAAACADAAAAAAAAAAAAAAEAAACgMgAAVgcAAKr4//8BAAAAf39/AAEAAABkAAAAAAAAABQAAABAHwAAAAAAACYAAAAAAAAAwOD//wAAAAAmAAAAZAAAABYAAABMAAAAAAAAAAAAAAAEAAAAAAAAAAEAAACAgIAKAAAAACgAAAAoAAAAZAAAAGQAAAAAAAAAzMzMAAAAAABQAAAAUAAAAGQAAABkAAAAAAAAABcAAAAUAAAAAAAAAAAAAAD/fwAA/38AAAAAAAAJAAAABAAAANw7IAEeAAAAaAAAAAAAAAAAAAAAAAAAAAAAAAAAAAAAECcAABAnAAAAAAAAAAAAAAAAAAAAAAAAAAAAAAAAAAAAAAAAAAAAABQAAAAAAAAAwMD/AAAAAABkAAAAMgAAAAAAAABkAAAAAAAAAH9/fwAKAAAAIgAAABgAAAAAAAAAAAAAAAAAAAAAAAAAAAAAAAAAAAAkAAAAJAAAAAAAAAAHAAAAAAAAAAAAAAAAAAAAAAAAAAAAAAAAAAAAf39/ACUAAABYAAAAAAAAAAAAAAAAAAAAAAAAAAAAAAAAAAAAAAAAAAAAAAAAAAAAAAAAAAAAAAA/AAAAAAAAAKCGAQAAAAAAAAAAAAAAAAAMAAAAAQAAAAAAAAAAAAAAAAAAAB8AAABUAAAAAAAABQAAAAEAAAAAAAAAAAAAAAAAAAAAAAAAAAAAAAAAAAAAAAAAAAAAAAJ/f38AAAAAA8zMzADAwP8Af39/AAAAAAAAAAAAAAAAAAAAAAAAAAAAIQAAABgAAAAUAAAAoRkAABsnAABfMQAAWSkAABAAAAAmAAAACAAAAAAAAAAAAAAAMAAAABQAAAAAAAAAAAD//wAAAQAAAP//AAABAA=="/>
               </a:ext>
             </a:extLst>
           </p:cNvSpPr>
@@ -1470,7 +1472,7 @@
             <a:spLocks noGrp="1" noChangeArrowheads="1"/>
             <a:extLst>
               <a:ext uri="smNativeData">
-                <pr:smNativeData xmlns:pr="smNativeData" xmlns="smNativeData" val="SMDATA_16_oViJZxMAAAAlAAAAZAAAAA8BAAAAkAAAAEgAAACQAAAASAAAAAAAAAABAAAAAAAAAAEAAABQAAAAAAAAAAAA4D8AAAAAAADgPwAAAAAAAOA/AAAAAAAA4D8AAAAAAADgPwAAAAAAAOA/AAAAAAAA4D8AAAAAAADgPwAAAAAAAOA/AAAAAAAA4D8CAAAAjAAAAAAAAAAAAAAAu+DjDP///wgAAAAAAAAAAAAAAAAAAAAAAAAAAAAAAAAAAAAAZAAAAAEAAABAAAAAAAAAAAAAAAAAAAAAAAAAAAAAAAAAAAAAAAAAAAAAAAAAAAAAAAAAAAAAAAAAAAAAAAAAAAAAAAAAAAAAAAAAAAAAAAAAAAAAAAAAAAAAAAAAAAAAFAAAADwAAAAAAAAAAAAAAAAAAAkUAAAAAQAAABQAAAAUAAAAFAAAAAEAAAAAAAAAZAAAAGQAAAAAAAAAZAAAAGQAAAAVAAAAYAAAAAAAAAAAAAAADwAAACADAAAAAAAAAAAAAAEAAACgMgAAVgcAAKr4//8BAAAAf39/AAEAAABkAAAAAAAAABQAAABAHwAAAAAAACYAAAAAAAAAwOD//wAAAAAmAAAAZAAAABYAAABMAAAAAAAAAAAAAAAEAAAAAAAAAAEAAACAgIAKAAAAACgAAAAoAAAAZAAAAGQAAAAAAAAAzMzMAAAAAABQAAAAUAAAAGQAAABkAAAAAAAAABcAAAAUAAAAAAAAAAAAAAD/fwAA/38AAAAAAAAJAAAABAAAANw7IAEeAAAAaAAAAAAAAAAAAAAAAAAAAAAAAAAAAAAAECcAABAnAAAAAAAAAAAAAAAAAAAAAAAAAAAAAAAAAAAAAAAAAAAAABQAAAAAAAAAwMD/AAAAAABkAAAAMgAAAAAAAABkAAAAAAAAAH9/fwAKAAAAIgAAABgAAAAAAAAAAAAAAAAAAAAAAAAAAAAAAAAAAAAkAAAAJAAAAAAAAAAHAAAAAAAAAAAAAAAAAAAAAAAAAAAAAAAAAAAAf39/ACUAAABYAAAAAAAAAAAAAAAAAAAAAAAAAAAAAAAAAAAAAAAAAAAAAAAAAAAAAAAAAAAAAAA/AAAAAAAAAKCGAQAAAAAAAAAAAAAAAAAMAAAAAQAAAAAAAAAAAAAAAAAAAB8AAABUAAAAAAAABQAAAAEAAAAAAAAAAAAAAAAAAAAAAAAAAAAAAAAAAAAAAAAAAAAAAAJ/f38AAAAAA8zMzADAwP8Af39/AAAAAAAAAAAAAAAAAAAAAAAAAAAAIQAAABgAAAAUAAAAwTUAABsnAABARwAAWSkAABAAAAAmAAAACAAAAAAAAAAAAAAAMAAAABQAAAAAAAAAAAD//wAAAQAAAP//AAABAA=="/>
+                <pr:smNativeData xmlns:pr="smNativeData" xmlns="smNativeData" val="SMDATA_16_zLafZxMAAAAlAAAAZAAAAA8BAAAAkAAAAEgAAACQAAAASAAAAAAAAAABAAAAAAAAAAEAAABQAAAAAAAAAAAA4D8AAAAAAADgPwAAAAAAAOA/AAAAAAAA4D8AAAAAAADgPwAAAAAAAOA/AAAAAAAA4D8AAAAAAADgPwAAAAAAAOA/AAAAAAAA4D8CAAAAjAAAAAAAAAAAAAAAu+DjDP///wgAAAAAAAAAAAAAAAAAAAAAAAAAAAAAAAAAAAAAZAAAAAEAAABAAAAAAAAAAAAAAAAAAAAAAAAAAAAAAAAAAAAAAAAAAAAAAAAAAAAAAAAAAAAAAAAAAAAAAAAAAAAAAAAAAAAAAAAAAAAAAAAAAAAAAAAAAAAAAAAAAAAAFAAAADwAAAAAAAAAAAAAAAAAAAkUAAAAAQAAABQAAAAUAAAAFAAAAAEAAAAAAAAAZAAAAGQAAAAAAAAAZAAAAGQAAAAVAAAAYAAAAAAAAAAAAAAADwAAACADAAAAAAAAAAAAAAEAAACgMgAAVgcAAKr4//8BAAAAf39/AAEAAABkAAAAAAAAABQAAABAHwAAAAAAACYAAAAAAAAAwOD//wAAAAAmAAAAZAAAABYAAABMAAAAAAAAAAAAAAAEAAAAAAAAAAEAAACAgIAKAAAAACgAAAAoAAAAZAAAAGQAAAAAAAAAzMzMAAAAAABQAAAAUAAAAGQAAABkAAAAAAAAABcAAAAUAAAAAAAAAAAAAAD/fwAA/38AAAAAAAAJAAAABAAAANw7IAEeAAAAaAAAAAAAAAAAAAAAAAAAAAAAAAAAAAAAECcAABAnAAAAAAAAAAAAAAAAAAAAAAAAAAAAAAAAAAAAAAAAAAAAABQAAAAAAAAAwMD/AAAAAABkAAAAMgAAAAAAAABkAAAAAAAAAH9/fwAKAAAAIgAAABgAAAAAAAAAAAAAAAAAAAAAAAAAAAAAAAAAAAAkAAAAJAAAAAAAAAAHAAAAAAAAAAAAAAAAAAAAAAAAAAAAAAAAAAAAf39/ACUAAABYAAAAAAAAAAAAAAAAAAAAAAAAAAAAAAAAAAAAAAAAAAAAAAAAAAAAAAAAAAAAAAA/AAAAAAAAAKCGAQAAAAAAAAAAAAAAAAAMAAAAAQAAAAAAAAAAAAAAAAAAAB8AAABUAAAAAAAABQAAAAEAAAAAAAAAAAAAAAAAAAAAAAAAAAAAAAAAAAAAAAAAAAAAAAJ/f38AAAAAA8zMzADAwP8Af39/AAAAAAAAAAAAAAAAAAAAAAAAAAAAIQAAABgAAAAUAAAAwTUAABsnAABARwAAWSkAABAAAAAmAAAACAAAAAAAAAAAAAAAMAAAABQAAAAAAAAAAAD//wAAAQAAAP//AAABAA=="/>
               </a:ext>
             </a:extLst>
           </p:cNvSpPr>
@@ -1484,7 +1486,7 @@
           <a:lstStyle/>
           <a:p>
             <a:pPr/>
-            <a:fld id="{3D8E07F3-BDD0-DBF1-9E36-4BA44978681E}" type="slidenum">
+            <a:fld id="{3FC4B8F8-B6D2-914E-9C7C-401BF6326A15}" type="slidenum">
               <a:t/>
             </a:fld>
           </a:p>
@@ -1523,7 +1525,7 @@
             <a:spLocks noGrp="1" noChangeArrowheads="1"/>
             <a:extLst>
               <a:ext uri="smNativeData">
-                <pr:smNativeData xmlns:pr="smNativeData" xmlns="smNativeData" val="SMDATA_16_oViJZxMAAAAlAAAAZAAAAA8BAAAAkAAAAEgAAACQAAAASAAAAAAAAAABAAAAAAAAAAEAAABQAAAAAAAAAAAA4D8AAAAAAADgPwAAAAAAAOA/AAAAAAAA4D8AAAAAAADgPwAAAAAAAOA/AAAAAAAA4D8AAAAAAADgPwAAAAAAAOA/AAAAAAAA4D8CAAAAjAAAAAAAAAAAAAAAu+DjDP///wgAAAAAAAAAAAAAAAAAAAAAAAAAAAAAAAAAAAAAZAAAAAEAAABAAAAAAAAAAAAAAAAAAAAAAAAAAAAAAAAAAAAAAAAAAAAAAAAAAAAAAAAAAAAAAAAAAAAAAAAAAAAAAAAAAAAAAAAAAAAAAAAAAAAAAAAAAAAAAAAAAAAAFAAAADwAAAAAAAAAAAAAAAAAAAkUAAAAAQAAABQAAAAUAAAAFAAAAAEAAAAAAAAAZAAAAGQAAAAAAAAAZAAAAGQAAAAVAAAAYAAAAAAAAAAAAAAADwAAACADAAAAAAAAAAAAAAEAAACgMgAAVgcAAKr4//8BAAAAf39/AAEAAABkAAAAAAAAABQAAABAHwAAAAAAACYAAAAAAAAAwOD//wAAAAAmAAAAZAAAABYAAABMAAAAAAAAAAAAAAAEAAAAAAAAAAEAAACAgIAKAAAAACgAAAAoAAAAZAAAAGQAAAAAAAAAzMzMAAAAAABQAAAAUAAAAGQAAABkAAAAAAAAABcAAAAUAAAAAAAAAAAAAAD/fwAA/38AAAAAAAAJAAAABAAAANw7IAEeAAAAaAAAAAAAAAAAAAAAAAAAAAAAAAAAAAAAECcAABAnAAAAAAAAAAAAAAAAAAAAAAAAAAAAAAAAAAAAAAAAAAAAABQAAAAAAAAAwMD/AAAAAABkAAAAMgAAAAAAAABkAAAAAAAAAH9/fwAKAAAAIgAAABgAAAAAAAAAAAAAAAAAAAAAAAAAAAAAAAAAAAAkAAAAJAAAAAAAAAAHAAAAAAAAAAAAAAAAAAAAAAAAAAAAAAAAAAAAf39/ACUAAABYAAAAAAAAAAAAAAAAAAAAAAAAAAAAAAAAAAAAAAAAAAAAAAAAAAAAAAAAAAAAAAA/AAAAAAAAAKCGAQAAAAAAAAAAAAAAAAAMAAAAAQAAAAAAAAAAAAAAAAAAAB8AAABUAAAAAAAABQAAAAEAAAAAAAAAAAAAAAAAAAAAAAAAAAAAAAAAAAAAAAAAAAAAAAJ/f38AAAAAA8zMzADAwP8Af39/AAAAAAAAAAAAAAAAAAAAAAAAAAAAIQAAABgAAAAUAAAAwAMAALABAABARwAAuAgAABAAAAAmAAAACAAAAAAAAAAAAAAAMAAAABQAAAAAAAAAAAD//wAAAQAAAP//AAABAA=="/>
+                <pr:smNativeData xmlns:pr="smNativeData" xmlns="smNativeData" val="SMDATA_16_zLafZxMAAAAlAAAAZAAAAA8BAAAAkAAAAEgAAACQAAAASAAAAAAAAAABAAAAAAAAAAEAAABQAAAAAAAAAAAA4D8AAAAAAADgPwAAAAAAAOA/AAAAAAAA4D8AAAAAAADgPwAAAAAAAOA/AAAAAAAA4D8AAAAAAADgPwAAAAAAAOA/AAAAAAAA4D8CAAAAjAAAAAAAAAAAAAAAu+DjDP///wgAAAAAAAAAAAAAAAAAAAAAAAAAAAAAAAAAAAAAZAAAAAEAAABAAAAAAAAAAAAAAAAAAAAAAAAAAAAAAAAAAAAAAAAAAAAAAAAAAAAAAAAAAAAAAAAAAAAAAAAAAAAAAAAAAAAAAAAAAAAAAAAAAAAAAAAAAAAAAAAAAAAAFAAAADwAAAAAAAAAAAAAAAAAAAkUAAAAAQAAABQAAAAUAAAAFAAAAAEAAAAAAAAAZAAAAGQAAAAAAAAAZAAAAGQAAAAVAAAAYAAAAAAAAAAAAAAADwAAACADAAAAAAAAAAAAAAEAAACgMgAAVgcAAKr4//8BAAAAf39/AAEAAABkAAAAAAAAABQAAABAHwAAAAAAACYAAAAAAAAAwOD//wAAAAAmAAAAZAAAABYAAABMAAAAAAAAAAAAAAAEAAAAAAAAAAEAAACAgIAKAAAAACgAAAAoAAAAZAAAAGQAAAAAAAAAzMzMAAAAAABQAAAAUAAAAGQAAABkAAAAAAAAABcAAAAUAAAAAAAAAAAAAAD/fwAA/38AAAAAAAAJAAAABAAAANw7IAEeAAAAaAAAAAAAAAAAAAAAAAAAAAAAAAAAAAAAECcAABAnAAAAAAAAAAAAAAAAAAAAAAAAAAAAAAAAAAAAAAAAAAAAABQAAAAAAAAAwMD/AAAAAABkAAAAMgAAAAAAAABkAAAAAAAAAH9/fwAKAAAAIgAAABgAAAAAAAAAAAAAAAAAAAAAAAAAAAAAAAAAAAAkAAAAJAAAAAAAAAAHAAAAAAAAAAAAAAAAAAAAAAAAAAAAAAAAAAAAf39/ACUAAABYAAAAAAAAAAAAAAAAAAAAAAAAAAAAAAAAAAAAAAAAAAAAAAAAAAAAAAAAAAAAAAA/AAAAAAAAAKCGAQAAAAAAAAAAAAAAAAAMAAAAAQAAAAAAAAAAAAAAAAAAAB8AAABUAAAAAAAABQAAAAEAAAAAAAAAAAAAAAAAAAAAAAAAAAAAAAAAAAAAAAAAAAAAAAJ/f38AAAAAA8zMzADAwP8Af39/AAAAAAAAAAAAAAAAAAAAAAAAAAAAIQAAABgAAAAUAAAAwAMAALABAABARwAAuAgAABAAAAAmAAAACAAAAAAAAAAAAAAAMAAAABQAAAAAAAAAAAD//wAAAQAAAP//AAABAA=="/>
               </a:ext>
             </a:extLst>
           </p:cNvSpPr>
@@ -1550,7 +1552,7 @@
             <a:spLocks noGrp="1" noChangeArrowheads="1"/>
             <a:extLst>
               <a:ext uri="smNativeData">
-                <pr:smNativeData xmlns:pr="smNativeData" xmlns="smNativeData" val="SMDATA_16_oViJZxMAAAAlAAAAZAAAAA8BAAAAkAAAAEgAAACQAAAASAAAAAAAAAACAAAAAAAAAAEAAABQAAAAAAAAAAAA4D8AAAAAAADgPwAAAAAAAOA/AAAAAAAA4D8AAAAAAADgPwAAAAAAAOA/AAAAAAAA4D8AAAAAAADgPwAAAAAAAOA/AAAAAAAA4D8CAAAAjAAAAAAAAAAAAAAAu+DjDP///wgAAAAAAAAAAAAAAAAAAAAAAAAAAAAAAAAAAAAAZAAAAAEAAABAAAAAAAAAAAAAAAAAAAAAAAAAAAAAAAAAAAAAAAAAAAAAAAAAAAAAAAAAAAAAAAAAAAAAAAAAAAAAAAAAAAAAAAAAAAAAAAAAAAAAAAAAAAAAAAAAAAAAFAAAADwAAAAAAAAAAAAAAAAAAAkUAAAAAQAAABQAAAAUAAAAFAAAAAEAAAAAAAAAZAAAAGQAAAAAAAAAZAAAAGQAAAAVAAAAYAAAAAAAAAAAAAAADwAAACADAAAAAAAAAAAAAAEAAACgMgAAVgcAAKr4//8BAAAAf39/AAEAAABkAAAAAAAAABQAAABAHwAAAAAAACYAAAAAAAAAwOD//wAAAAAmAAAAZAAAABYAAABMAAAAAAAAAAAAAAAEAAAAAAAAAAEAAACAgIAKAAAAACgAAAAoAAAAZAAAAGQAAAAAAAAAzMzMAAAAAABQAAAAUAAAAGQAAABkAAAAAAAAABcAAAAUAAAAAAAAAAAAAAD/fwAA/38AAAAAAAAJAAAABAAAANw7IAEeAAAAaAAAAAAAAAAAAAAAAAAAAAAAAAAAAAAAECcAABAnAAAAAAAAAAAAAAAAAAAAAAAAAAAAAAAAAAAAAAAAAAAAABQAAAAAAAAAwMD/AAAAAABkAAAAMgAAAAAAAABkAAAAAAAAAH9/fwAKAAAAIgAAABgAAAAAAAAAAAAAAAAAAAAAAAAAAAAAAAAAAAAkAAAAJAAAAAAAAAAHAAAAAAAAAAAAAAAAAAAAAAAAAAAAAAAAAAAAf39/ACUAAABYAAAAAAAAAAAAAAAAAAAAAAAAAAAAAAAAAAAAAAAAAAAAAAAAAAAAAAAAAAAAAAA/AAAAAAAAAKCGAQAAAAAAAAAAAAAAAAAMAAAAAQAAAAAAAAAAAAAAAAAAAB8AAABUAAAAAAAABQAAAAEAAAAAAAAAAAAAAAAAAAAAAAAAAAAAAAAAAAAAAAAAAAAAAAJ/f38AAAAAA8zMzADAwP8Af39/AAAAAAAAAAAAAAAAAAAAAAAAAAAAIQAAABgAAAAUAAAAwAMAAHEJAADjJAAAYQ0AABAAAAAmAAAACAAAAIGAAAAAAAAAMAAAABQAAAAAAAAAAAD//wAAAQAAAP//AAABAA=="/>
+                <pr:smNativeData xmlns:pr="smNativeData" xmlns="smNativeData" val="SMDATA_16_zLafZxMAAAAlAAAAZAAAAA8BAAAAkAAAAEgAAACQAAAASAAAAAAAAAACAAAAAAAAAAEAAABQAAAAAAAAAAAA4D8AAAAAAADgPwAAAAAAAOA/AAAAAAAA4D8AAAAAAADgPwAAAAAAAOA/AAAAAAAA4D8AAAAAAADgPwAAAAAAAOA/AAAAAAAA4D8CAAAAjAAAAAAAAAAAAAAAu+DjDP///wgAAAAAAAAAAAAAAAAAAAAAAAAAAAAAAAAAAAAAZAAAAAEAAABAAAAAAAAAAAAAAAAAAAAAAAAAAAAAAAAAAAAAAAAAAAAAAAAAAAAAAAAAAAAAAAAAAAAAAAAAAAAAAAAAAAAAAAAAAAAAAAAAAAAAAAAAAAAAAAAAAAAAFAAAADwAAAAAAAAAAAAAAAAAAAkUAAAAAQAAABQAAAAUAAAAFAAAAAEAAAAAAAAAZAAAAGQAAAAAAAAAZAAAAGQAAAAVAAAAYAAAAAAAAAAAAAAADwAAACADAAAAAAAAAAAAAAEAAACgMgAAVgcAAKr4//8BAAAAf39/AAEAAABkAAAAAAAAABQAAABAHwAAAAAAACYAAAAAAAAAwOD//wAAAAAmAAAAZAAAABYAAABMAAAAAAAAAAAAAAAEAAAAAAAAAAEAAACAgIAKAAAAACgAAAAoAAAAZAAAAGQAAAAAAAAAzMzMAAAAAABQAAAAUAAAAGQAAABkAAAAAAAAABcAAAAUAAAAAAAAAAAAAAD/fwAA/38AAAAAAAAJAAAABAAAANw7IAEeAAAAaAAAAAAAAAAAAAAAAAAAAAAAAAAAAAAAECcAABAnAAAAAAAAAAAAAAAAAAAAAAAAAAAAAAAAAAAAAAAAAAAAABQAAAAAAAAAwMD/AAAAAABkAAAAMgAAAAAAAABkAAAAAAAAAH9/fwAKAAAAIgAAABgAAAAAAAAAAAAAAAAAAAAAAAAAAAAAAAAAAAAkAAAAJAAAAAAAAAAHAAAAAAAAAAAAAAAAAAAAAAAAAAAAAAAAAAAAf39/ACUAAABYAAAAAAAAAAAAAAAAAAAAAAAAAAAAAAAAAAAAAAAAAAAAAAAAAAAAAAAAAAAAAAA/AAAAAAAAAKCGAQAAAAAAAAAAAAAAAAAMAAAAAQAAAAAAAAAAAAAAAAAAAB8AAABUAAAAAAAABQAAAAEAAAAAAAAAAAAAAAAAAAAAAAAAAAAAAAAAAAAAAAAAAAAAAAJ/f38AAAAAA8zMzADAwP8Af39/AAAAAAAAAAAAAAAAAAAAAAAAAAAAIQAAABgAAAAUAAAAwAMAAHEJAADjJAAAYQ0AABAAAAAmAAAACAAAAIGAAAAAAAAAMAAAABQAAAAAAAAAAAD//wAAAQAAAP//AAABAA=="/>
               </a:ext>
             </a:extLst>
           </p:cNvSpPr>
@@ -1623,7 +1625,7 @@
             <a:spLocks noGrp="1" noChangeArrowheads="1"/>
             <a:extLst>
               <a:ext uri="smNativeData">
-                <pr:smNativeData xmlns:pr="smNativeData" xmlns="smNativeData" val="SMDATA_16_oViJZxMAAAAlAAAAZAAAAA8BAAAAkAAAAEgAAACQAAAASAAAAAAAAAAAAAAAAAAAAAEAAABQAAAAAAAAAAAA4D8AAAAAAADgPwAAAAAAAOA/AAAAAAAA4D8AAAAAAADgPwAAAAAAAOA/AAAAAAAA4D8AAAAAAADgPwAAAAAAAOA/AAAAAAAA4D8CAAAAjAAAAAAAAAAAAAAAu+DjDP///wgAAAAAAAAAAAAAAAAAAAAAAAAAAAAAAAAAAAAAZAAAAAEAAABAAAAAAAAAAAAAAAAAAAAAAAAAAAAAAAAAAAAAAAAAAAAAAAAAAAAAAAAAAAAAAAAAAAAAAAAAAAAAAAAAAAAAAAAAAAAAAAAAAAAAAAAAAAAAAAAAAAAAFAAAADwAAAAAAAAAAAAAAAAAAAkUAAAAAQAAABQAAAAUAAAAFAAAAAEAAAAAAAAAZAAAAGQAAAAAAAAAZAAAAGQAAAAVAAAAYAAAAAAAAAAAAAAADwAAACADAAAAAAAAAAAAAAEAAACgMgAAVgcAAKr4//8BAAAAf39/AAEAAABkAAAAAAAAABQAAABAHwAAAAAAACYAAAAAAAAAwOD//wAAAAAmAAAAZAAAABYAAABMAAAAAAAAAAAAAAAEAAAAAAAAAAEAAACAgIAKAAAAACgAAAAoAAAAZAAAAGQAAAAAAAAAzMzMAAAAAABQAAAAUAAAAGQAAABkAAAAAAAAABcAAAAUAAAAAAAAAAAAAAD/fwAA/38AAAAAAAAJAAAABAAAANw7IAEeAAAAaAAAAAAAAAAAAAAAAAAAAAAAAAAAAAAAECcAABAnAAAAAAAAAAAAAAAAAAAAAAAAAAAAAAAAAAAAAAAAAAAAABQAAAAAAAAAwMD/AAAAAABkAAAAMgAAAAAAAABkAAAAAAAAAH9/fwAKAAAAIgAAABgAAAAAAAAAAAAAAAAAAAAAAAAAAAAAAAAAAAAkAAAAJAAAAAAAAAAHAAAAAAAAAAAAAAAAAAAAAAAAAAAAAAAAAAAAf39/ACUAAABYAAAAAAAAAAAAAAAAAAAAAAAAAAAAAAAAAAAAAAAAAAAAAAAAAAAAAAAAAAAAAAA/AAAAAAAAAKCGAQAAAAAAAAAAAAAAAAAMAAAAAQAAAAAAAAAAAAAAAAAAAB8AAABUAAAAAAAABQAAAAEAAAAAAAAAAAAAAAAAAAAAAAAAAAAAAAAAAAAAAAAAAAAAAAJ/f38AAAAAA8zMzADAwP8Af39/AAAAAAAAAAAAAAAAAAAAAAAAAAAAIQAAABgAAAAUAAAAwAMAAGENAADjJAAAsCUAABAAAAAmAAAACAAAAAGAAAAAAAAAMAAAABQAAAAAAAAAAAD//wAAAQAAAP//AAABAA=="/>
+                <pr:smNativeData xmlns:pr="smNativeData" xmlns="smNativeData" val="SMDATA_16_zLafZxMAAAAlAAAAZAAAAA8BAAAAkAAAAEgAAACQAAAASAAAAAAAAAAAAAAAAAAAAAEAAABQAAAAAAAAAAAA4D8AAAAAAADgPwAAAAAAAOA/AAAAAAAA4D8AAAAAAADgPwAAAAAAAOA/AAAAAAAA4D8AAAAAAADgPwAAAAAAAOA/AAAAAAAA4D8CAAAAjAAAAAAAAAAAAAAAu+DjDP///wgAAAAAAAAAAAAAAAAAAAAAAAAAAAAAAAAAAAAAZAAAAAEAAABAAAAAAAAAAAAAAAAAAAAAAAAAAAAAAAAAAAAAAAAAAAAAAAAAAAAAAAAAAAAAAAAAAAAAAAAAAAAAAAAAAAAAAAAAAAAAAAAAAAAAAAAAAAAAAAAAAAAAFAAAADwAAAAAAAAAAAAAAAAAAAkUAAAAAQAAABQAAAAUAAAAFAAAAAEAAAAAAAAAZAAAAGQAAAAAAAAAZAAAAGQAAAAVAAAAYAAAAAAAAAAAAAAADwAAACADAAAAAAAAAAAAAAEAAACgMgAAVgcAAKr4//8BAAAAf39/AAEAAABkAAAAAAAAABQAAABAHwAAAAAAACYAAAAAAAAAwOD//wAAAAAmAAAAZAAAABYAAABMAAAAAAAAAAAAAAAEAAAAAAAAAAEAAACAgIAKAAAAACgAAAAoAAAAZAAAAGQAAAAAAAAAzMzMAAAAAABQAAAAUAAAAGQAAABkAAAAAAAAABcAAAAUAAAAAAAAAAAAAAD/fwAA/38AAAAAAAAJAAAABAAAANw7IAEeAAAAaAAAAAAAAAAAAAAAAAAAAAAAAAAAAAAAECcAABAnAAAAAAAAAAAAAAAAAAAAAAAAAAAAAAAAAAAAAAAAAAAAABQAAAAAAAAAwMD/AAAAAABkAAAAMgAAAAAAAABkAAAAAAAAAH9/fwAKAAAAIgAAABgAAAAAAAAAAAAAAAAAAAAAAAAAAAAAAAAAAAAkAAAAJAAAAAAAAAAHAAAAAAAAAAAAAAAAAAAAAAAAAAAAAAAAAAAAf39/ACUAAABYAAAAAAAAAAAAAAAAAAAAAAAAAAAAAAAAAAAAAAAAAAAAAAAAAAAAAAAAAAAAAAA/AAAAAAAAAKCGAQAAAAAAAAAAAAAAAAAMAAAAAQAAAAAAAAAAAAAAAAAAAB8AAABUAAAAAAAABQAAAAEAAAAAAAAAAAAAAAAAAAAAAAAAAAAAAAAAAAAAAAAAAAAAAAJ/f38AAAAAA8zMzADAwP8Af39/AAAAAAAAAAAAAAAAAAAAAAAAAAAAIQAAABgAAAAUAAAAwAMAAGENAADjJAAAsCUAABAAAAAmAAAACAAAAAGAAAAAAAAAMAAAABQAAAAAAAAAAAD//wAAAQAAAP//AAABAA=="/>
               </a:ext>
             </a:extLst>
           </p:cNvSpPr>
@@ -1707,7 +1709,7 @@
             <a:spLocks noGrp="1" noChangeArrowheads="1"/>
             <a:extLst>
               <a:ext uri="smNativeData">
-                <pr:smNativeData xmlns:pr="smNativeData" xmlns="smNativeData" val="SMDATA_16_oViJZxMAAAAlAAAAZAAAAA8BAAAAkAAAAEgAAACQAAAASAAAAAAAAAACAAAAAAAAAAEAAABQAAAAAAAAAAAA4D8AAAAAAADgPwAAAAAAAOA/AAAAAAAA4D8AAAAAAADgPwAAAAAAAOA/AAAAAAAA4D8AAAAAAADgPwAAAAAAAOA/AAAAAAAA4D8CAAAAjAAAAAAAAAAAAAAAu+DjDP///wgAAAAAAAAAAAAAAAAAAAAAAAAAAAAAAAAAAAAAZAAAAAEAAABAAAAAAAAAAAAAAAAAAAAAAAAAAAAAAAAAAAAAAAAAAAAAAAAAAAAAAAAAAAAAAAAAAAAAAAAAAAAAAAAAAAAAAAAAAAAAAAAAAAAAAAAAAAAAAAAAAAAAFAAAADwAAAAAAAAAAAAAAAAAAAkUAAAAAQAAABQAAAAUAAAAFAAAAAEAAAAAAAAAZAAAAGQAAAAAAAAAZAAAAGQAAAAVAAAAYAAAAAAAAAAAAAAADwAAACADAAAAAAAAAAAAAAEAAACgMgAAVgcAAKr4//8BAAAAf39/AAEAAABkAAAAAAAAABQAAABAHwAAAAAAACYAAAAAAAAAwOD//wAAAAAmAAAAZAAAABYAAABMAAAAAAAAAAAAAAAEAAAAAAAAAAEAAACAgIAKAAAAACgAAAAoAAAAZAAAAGQAAAAAAAAAzMzMAAAAAABQAAAAUAAAAGQAAABkAAAAAAAAABcAAAAUAAAAAAAAAAAAAAD/fwAA/38AAAAAAAAJAAAABAAAANw7IAEeAAAAaAAAAAAAAAAAAAAAAAAAAAAAAAAAAAAAECcAABAnAAAAAAAAAAAAAAAAAAAAAAAAAAAAAAAAAAAAAAAAAAAAABQAAAAAAAAAwMD/AAAAAABkAAAAMgAAAAAAAABkAAAAAAAAAH9/fwAKAAAAIgAAABgAAAAAAAAAAAAAAAAAAAAAAAAAAAAAAAAAAAAkAAAAJAAAAAAAAAAHAAAAAAAAAAAAAAAAAAAAAAAAAAAAAAAAAAAAf39/ACUAAABYAAAAAAAAAAAAAAAAAAAAAAAAAAAAAAAAAAAAAAAAAAAAAAAAAAAAAAAAAAAAAAA/AAAAAAAAAKCGAQAAAAAAAAAAAAAAAAAMAAAAAQAAAAAAAAAAAAAAAAAAAB8AAABUAAAAAAAABQAAAAEAAAAAAAAAAAAAAAAAAAAAAAAAAAAAAAAAAAAAAAAAAAAAAAJ/f38AAAAAA8zMzADAwP8Af39/AAAAAAAAAAAAAAAAAAAAAAAAAAAAIQAAABgAAAAUAAAAHSYAAHEJAABARwAAYQ0AABAAAAAmAAAACAAAAIGAAAAAAAAAMAAAABQAAAAAAAAAAAD//wAAAQAAAP//AAABAA=="/>
+                <pr:smNativeData xmlns:pr="smNativeData" xmlns="smNativeData" val="SMDATA_16_zLafZxMAAAAlAAAAZAAAAA8BAAAAkAAAAEgAAACQAAAASAAAAAAAAAACAAAAAAAAAAEAAABQAAAAAAAAAAAA4D8AAAAAAADgPwAAAAAAAOA/AAAAAAAA4D8AAAAAAADgPwAAAAAAAOA/AAAAAAAA4D8AAAAAAADgPwAAAAAAAOA/AAAAAAAA4D8CAAAAjAAAAAAAAAAAAAAAu+DjDP///wgAAAAAAAAAAAAAAAAAAAAAAAAAAAAAAAAAAAAAZAAAAAEAAABAAAAAAAAAAAAAAAAAAAAAAAAAAAAAAAAAAAAAAAAAAAAAAAAAAAAAAAAAAAAAAAAAAAAAAAAAAAAAAAAAAAAAAAAAAAAAAAAAAAAAAAAAAAAAAAAAAAAAFAAAADwAAAAAAAAAAAAAAAAAAAkUAAAAAQAAABQAAAAUAAAAFAAAAAEAAAAAAAAAZAAAAGQAAAAAAAAAZAAAAGQAAAAVAAAAYAAAAAAAAAAAAAAADwAAACADAAAAAAAAAAAAAAEAAACgMgAAVgcAAKr4//8BAAAAf39/AAEAAABkAAAAAAAAABQAAABAHwAAAAAAACYAAAAAAAAAwOD//wAAAAAmAAAAZAAAABYAAABMAAAAAAAAAAAAAAAEAAAAAAAAAAEAAACAgIAKAAAAACgAAAAoAAAAZAAAAGQAAAAAAAAAzMzMAAAAAABQAAAAUAAAAGQAAABkAAAAAAAAABcAAAAUAAAAAAAAAAAAAAD/fwAA/38AAAAAAAAJAAAABAAAANw7IAEeAAAAaAAAAAAAAAAAAAAAAAAAAAAAAAAAAAAAECcAABAnAAAAAAAAAAAAAAAAAAAAAAAAAAAAAAAAAAAAAAAAAAAAABQAAAAAAAAAwMD/AAAAAABkAAAAMgAAAAAAAABkAAAAAAAAAH9/fwAKAAAAIgAAABgAAAAAAAAAAAAAAAAAAAAAAAAAAAAAAAAAAAAkAAAAJAAAAAAAAAAHAAAAAAAAAAAAAAAAAAAAAAAAAAAAAAAAAAAAf39/ACUAAABYAAAAAAAAAAAAAAAAAAAAAAAAAAAAAAAAAAAAAAAAAAAAAAAAAAAAAAAAAAAAAAA/AAAAAAAAAKCGAQAAAAAAAAAAAAAAAAAMAAAAAQAAAAAAAAAAAAAAAAAAAB8AAABUAAAAAAAABQAAAAEAAAAAAAAAAAAAAAAAAAAAAAAAAAAAAAAAAAAAAAAAAAAAAAJ/f38AAAAAA8zMzADAwP8Af39/AAAAAAAAAAAAAAAAAAAAAAAAAAAAIQAAABgAAAAUAAAAHSYAAHEJAABARwAAYQ0AABAAAAAmAAAACAAAAIGAAAAAAAAAMAAAABQAAAAAAAAAAAD//wAAAQAAAP//AAABAA=="/>
               </a:ext>
             </a:extLst>
           </p:cNvSpPr>
@@ -1780,7 +1782,7 @@
             <a:spLocks noGrp="1" noChangeArrowheads="1"/>
             <a:extLst>
               <a:ext uri="smNativeData">
-                <pr:smNativeData xmlns:pr="smNativeData" xmlns="smNativeData" val="SMDATA_16_oViJZxMAAAAlAAAAZAAAAA8BAAAAkAAAAEgAAACQAAAASAAAAAAAAAAAAAAAAAAAAAEAAABQAAAAAAAAAAAA4D8AAAAAAADgPwAAAAAAAOA/AAAAAAAA4D8AAAAAAADgPwAAAAAAAOA/AAAAAAAA4D8AAAAAAADgPwAAAAAAAOA/AAAAAAAA4D8CAAAAjAAAAAAAAAAAAAAAu+DjDP///wgAAAAAAAAAAAAAAAAAAAAAAAAAAAAAAAAAAAAAZAAAAAEAAABAAAAAAAAAAAAAAAAAAAAAAAAAAAAAAAAAAAAAAAAAAAAAAAAAAAAAAAAAAAAAAAAAAAAAAAAAAAAAAAAAAAAAAAAAAAAAAAAAAAAAAAAAAAAAAAAAAAAAFAAAADwAAAAAAAAAAAAAAAAAAAkUAAAAAQAAABQAAAAUAAAAFAAAAAEAAAAAAAAAZAAAAGQAAAAAAAAAZAAAAGQAAAAVAAAAYAAAAAAAAAAAAAAADwAAACADAAAAAAAAAAAAAAEAAACgMgAAVgcAAKr4//8BAAAAf39/AAEAAABkAAAAAAAAABQAAABAHwAAAAAAACYAAAAAAAAAwOD//wAAAAAmAAAAZAAAABYAAABMAAAAAAAAAAAAAAAEAAAAAAAAAAEAAACAgIAKAAAAACgAAAAoAAAAZAAAAGQAAAAAAAAAzMzMAAAAAABQAAAAUAAAAGQAAABkAAAAAAAAABcAAAAUAAAAAAAAAAAAAAD/fwAA/38AAAAAAAAJAAAABAAAANw7IAEeAAAAaAAAAAAAAAAAAAAAAAAAAAAAAAAAAAAAECcAABAnAAAAAAAAAAAAAAAAAAAAAAAAAAAAAAAAAAAAAAAAAAAAABQAAAAAAAAAwMD/AAAAAABkAAAAMgAAAAAAAABkAAAAAAAAAH9/fwAKAAAAIgAAABgAAAAAAAAAAAAAAAAAAAAAAAAAAAAAAAAAAAAkAAAAJAAAAAAAAAAHAAAAAAAAAAAAAAAAAAAAAAAAAAAAAAAAAAAAf39/ACUAAABYAAAAAAAAAAAAAAAAAAAAAAAAAAAAAAAAAAAAAAAAAAAAAAAAAAAAAAAAAAAAAAA/AAAAAAAAAKCGAQAAAAAAAAAAAAAAAAAMAAAAAQAAAAAAAAAAAAAAAAAAAB8AAABUAAAAAAAABQAAAAEAAAAAAAAAAAAAAAAAAAAAAAAAAAAAAAAAAAAAAAAAAAAAAAJ/f38AAAAAA8zMzADAwP8Af39/AAAAAAAAAAAAAAAAAAAAAAAAAAAAIQAAABgAAAAUAAAAHSYAAGENAABARwAAsCUAABAAAAAmAAAACAAAAAGAAAAAAAAAMAAAABQAAAAAAAAAAAD//wAAAQAAAP//AAABAA=="/>
+                <pr:smNativeData xmlns:pr="smNativeData" xmlns="smNativeData" val="SMDATA_16_zLafZxMAAAAlAAAAZAAAAA8BAAAAkAAAAEgAAACQAAAASAAAAAAAAAAAAAAAAAAAAAEAAABQAAAAAAAAAAAA4D8AAAAAAADgPwAAAAAAAOA/AAAAAAAA4D8AAAAAAADgPwAAAAAAAOA/AAAAAAAA4D8AAAAAAADgPwAAAAAAAOA/AAAAAAAA4D8CAAAAjAAAAAAAAAAAAAAAu+DjDP///wgAAAAAAAAAAAAAAAAAAAAAAAAAAAAAAAAAAAAAZAAAAAEAAABAAAAAAAAAAAAAAAAAAAAAAAAAAAAAAAAAAAAAAAAAAAAAAAAAAAAAAAAAAAAAAAAAAAAAAAAAAAAAAAAAAAAAAAAAAAAAAAAAAAAAAAAAAAAAAAAAAAAAFAAAADwAAAAAAAAAAAAAAAAAAAkUAAAAAQAAABQAAAAUAAAAFAAAAAEAAAAAAAAAZAAAAGQAAAAAAAAAZAAAAGQAAAAVAAAAYAAAAAAAAAAAAAAADwAAACADAAAAAAAAAAAAAAEAAACgMgAAVgcAAKr4//8BAAAAf39/AAEAAABkAAAAAAAAABQAAABAHwAAAAAAACYAAAAAAAAAwOD//wAAAAAmAAAAZAAAABYAAABMAAAAAAAAAAAAAAAEAAAAAAAAAAEAAACAgIAKAAAAACgAAAAoAAAAZAAAAGQAAAAAAAAAzMzMAAAAAABQAAAAUAAAAGQAAABkAAAAAAAAABcAAAAUAAAAAAAAAAAAAAD/fwAA/38AAAAAAAAJAAAABAAAANw7IAEeAAAAaAAAAAAAAAAAAAAAAAAAAAAAAAAAAAAAECcAABAnAAAAAAAAAAAAAAAAAAAAAAAAAAAAAAAAAAAAAAAAAAAAABQAAAAAAAAAwMD/AAAAAABkAAAAMgAAAAAAAABkAAAAAAAAAH9/fwAKAAAAIgAAABgAAAAAAAAAAAAAAAAAAAAAAAAAAAAAAAAAAAAkAAAAJAAAAAAAAAAHAAAAAAAAAAAAAAAAAAAAAAAAAAAAAAAAAAAAf39/ACUAAABYAAAAAAAAAAAAAAAAAAAAAAAAAAAAAAAAAAAAAAAAAAAAAAAAAAAAAAAAAAAAAAA/AAAAAAAAAKCGAQAAAAAAAAAAAAAAAAAMAAAAAQAAAAAAAAAAAAAAAAAAAB8AAABUAAAAAAAABQAAAAEAAAAAAAAAAAAAAAAAAAAAAAAAAAAAAAAAAAAAAAAAAAAAAAJ/f38AAAAAA8zMzADAwP8Af39/AAAAAAAAAAAAAAAAAAAAAAAAAAAAIQAAABgAAAAUAAAAHSYAAGENAABARwAAsCUAABAAAAAmAAAACAAAAAGAAAAAAAAAMAAAABQAAAAAAAAAAAD//wAAAQAAAP//AAABAA=="/>
               </a:ext>
             </a:extLst>
           </p:cNvSpPr>
@@ -1864,7 +1866,7 @@
             <a:spLocks noGrp="1" noChangeArrowheads="1"/>
             <a:extLst>
               <a:ext uri="smNativeData">
-                <pr:smNativeData xmlns:pr="smNativeData" xmlns="smNativeData" val="SMDATA_16_oViJZxMAAAAlAAAAZAAAAA8BAAAAkAAAAEgAAACQAAAASAAAAAAAAAABAAAAAAAAAAEAAABQAAAAAAAAAAAA4D8AAAAAAADgPwAAAAAAAOA/AAAAAAAA4D8AAAAAAADgPwAAAAAAAOA/AAAAAAAA4D8AAAAAAADgPwAAAAAAAOA/AAAAAAAA4D8CAAAAjAAAAAAAAAAAAAAAu+DjDP///wgAAAAAAAAAAAAAAAAAAAAAAAAAAAAAAAAAAAAAZAAAAAEAAABAAAAAAAAAAAAAAAAAAAAAAAAAAAAAAAAAAAAAAAAAAAAAAAAAAAAAAAAAAAAAAAAAAAAAAAAAAAAAAAAAAAAAAAAAAAAAAAAAAAAAAAAAAAAAAAAAAAAAFAAAADwAAAAAAAAAAAAAAAAAAAkUAAAAAQAAABQAAAAUAAAAFAAAAAEAAAAAAAAAZAAAAGQAAAAAAAAAZAAAAGQAAAAVAAAAYAAAAAAAAAAAAAAADwAAACADAAAAAAAAAAAAAAEAAACgMgAAVgcAAKr4//8BAAAAf39/AAEAAABkAAAAAAAAABQAAABAHwAAAAAAACYAAAAAAAAAwOD//wAAAAAmAAAAZAAAABYAAABMAAAAAAAAAAAAAAAEAAAAAAAAAAEAAACAgIAKAAAAACgAAAAoAAAAZAAAAGQAAAAAAAAAzMzMAAAAAABQAAAAUAAAAGQAAABkAAAAAAAAABcAAAAUAAAAAAAAAAAAAAD/fwAA/38AAAAAAAAJAAAABAAAANw7IAEeAAAAaAAAAAAAAAAAAAAAAAAAAAAAAAAAAAAAECcAABAnAAAAAAAAAAAAAAAAAAAAAAAAAAAAAAAAAAAAAAAAAAAAABQAAAAAAAAAwMD/AAAAAABkAAAAMgAAAAAAAABkAAAAAAAAAH9/fwAKAAAAIgAAABgAAAAAAAAAAAAAAAAAAAAAAAAAAAAAAAAAAAAkAAAAJAAAAAAAAAAHAAAAAAAAAAAAAAAAAAAAAAAAAAAAAAAAAAAAf39/ACUAAABYAAAAAAAAAAAAAAAAAAAAAAAAAAAAAAAAAAAAAAAAAAAAAAAAAAAAAAAAAAAAAAA/AAAAAAAAAKCGAQAAAAAAAAAAAAAAAAAMAAAAAQAAAAAAAAAAAAAAAAAAAB8AAABUAAAAAAAABQAAAAEAAAAAAAAAAAAAAAAAAAAAAAAAAAAAAAAAAAAAAAAAAAAAAAJ/f38AAAAAA8zMzADAwP8Af39/AAAAAAAAAAAAAAAAAAAAAAAAAAAAIQAAABgAAAAUAAAAwAMAABsnAAA/FQAAWSkAABAAAAAmAAAACAAAAAAAAAAAAAAAMAAAABQAAAAAAAAAAAD//wAAAQAAAP//AAABAA=="/>
+                <pr:smNativeData xmlns:pr="smNativeData" xmlns="smNativeData" val="SMDATA_16_zLafZxMAAAAlAAAAZAAAAA8BAAAAkAAAAEgAAACQAAAASAAAAAAAAAABAAAAAAAAAAEAAABQAAAAAAAAAAAA4D8AAAAAAADgPwAAAAAAAOA/AAAAAAAA4D8AAAAAAADgPwAAAAAAAOA/AAAAAAAA4D8AAAAAAADgPwAAAAAAAOA/AAAAAAAA4D8CAAAAjAAAAAAAAAAAAAAAu+DjDP///wgAAAAAAAAAAAAAAAAAAAAAAAAAAAAAAAAAAAAAZAAAAAEAAABAAAAAAAAAAAAAAAAAAAAAAAAAAAAAAAAAAAAAAAAAAAAAAAAAAAAAAAAAAAAAAAAAAAAAAAAAAAAAAAAAAAAAAAAAAAAAAAAAAAAAAAAAAAAAAAAAAAAAFAAAADwAAAAAAAAAAAAAAAAAAAkUAAAAAQAAABQAAAAUAAAAFAAAAAEAAAAAAAAAZAAAAGQAAAAAAAAAZAAAAGQAAAAVAAAAYAAAAAAAAAAAAAAADwAAACADAAAAAAAAAAAAAAEAAACgMgAAVgcAAKr4//8BAAAAf39/AAEAAABkAAAAAAAAABQAAABAHwAAAAAAACYAAAAAAAAAwOD//wAAAAAmAAAAZAAAABYAAABMAAAAAAAAAAAAAAAEAAAAAAAAAAEAAACAgIAKAAAAACgAAAAoAAAAZAAAAGQAAAAAAAAAzMzMAAAAAABQAAAAUAAAAGQAAABkAAAAAAAAABcAAAAUAAAAAAAAAAAAAAD/fwAA/38AAAAAAAAJAAAABAAAANw7IAEeAAAAaAAAAAAAAAAAAAAAAAAAAAAAAAAAAAAAECcAABAnAAAAAAAAAAAAAAAAAAAAAAAAAAAAAAAAAAAAAAAAAAAAABQAAAAAAAAAwMD/AAAAAABkAAAAMgAAAAAAAABkAAAAAAAAAH9/fwAKAAAAIgAAABgAAAAAAAAAAAAAAAAAAAAAAAAAAAAAAAAAAAAkAAAAJAAAAAAAAAAHAAAAAAAAAAAAAAAAAAAAAAAAAAAAAAAAAAAAf39/ACUAAABYAAAAAAAAAAAAAAAAAAAAAAAAAAAAAAAAAAAAAAAAAAAAAAAAAAAAAAAAAAAAAAA/AAAAAAAAAKCGAQAAAAAAAAAAAAAAAAAMAAAAAQAAAAAAAAAAAAAAAAAAAB8AAABUAAAAAAAABQAAAAEAAAAAAAAAAAAAAAAAAAAAAAAAAAAAAAAAAAAAAAAAAAAAAAJ/f38AAAAAA8zMzADAwP8Af39/AAAAAAAAAAAAAAAAAAAAAAAAAAAAIQAAABgAAAAUAAAAwAMAABsnAAA/FQAAWSkAABAAAAAmAAAACAAAAAAAAAAAAAAAMAAAABQAAAAAAAAAAAD//wAAAQAAAP//AAABAA=="/>
               </a:ext>
             </a:extLst>
           </p:cNvSpPr>
@@ -1878,7 +1880,7 @@
           <a:lstStyle/>
           <a:p>
             <a:pPr/>
-            <a:fld id="{3D8E3537-79D0-DBC3-9E36-8F967B7868DA}" type="datetime1">
+            <a:fld id="{3FC49C25-6BD2-916A-9C7C-9D3FD2326AC8}" type="datetime1">
               <a:t/>
             </a:fld>
           </a:p>
@@ -1891,7 +1893,7 @@
             <a:spLocks noGrp="1" noChangeArrowheads="1"/>
             <a:extLst>
               <a:ext uri="smNativeData">
-                <pr:smNativeData xmlns:pr="smNativeData" xmlns="smNativeData" val="SMDATA_16_oViJZxMAAAAlAAAAZAAAAA8BAAAAkAAAAEgAAACQAAAASAAAAAAAAAABAAAAAAAAAAEAAABQAAAAAAAAAAAA4D8AAAAAAADgPwAAAAAAAOA/AAAAAAAA4D8AAAAAAADgPwAAAAAAAOA/AAAAAAAA4D8AAAAAAADgPwAAAAAAAOA/AAAAAAAA4D8CAAAAjAAAAAAAAAAAAAAAu+DjDP///wgAAAAAAAAAAAAAAAAAAAAAAAAAAAAAAAAAAAAAZAAAAAEAAABAAAAAAAAAAAAAAAAAAAAAAAAAAAAAAAAAAAAAAAAAAAAAAAAAAAAAAAAAAAAAAAAAAAAAAAAAAAAAAAAAAAAAAAAAAAAAAAAAAAAAAAAAAAAAAAAAAAAAFAAAADwAAAAAAAAAAAAAAAAAAAkUAAAAAQAAABQAAAAUAAAAFAAAAAEAAAAAAAAAZAAAAGQAAAAAAAAAZAAAAGQAAAAVAAAAYAAAAAAAAAAAAAAADwAAACADAAAAAAAAAAAAAAEAAACgMgAAVgcAAKr4//8BAAAAf39/AAEAAABkAAAAAAAAABQAAABAHwAAAAAAACYAAAAAAAAAwOD//wAAAAAmAAAAZAAAABYAAABMAAAAAAAAAAAAAAAEAAAAAAAAAAEAAACAgIAKAAAAACgAAAAoAAAAZAAAAGQAAAAAAAAAzMzMAAAAAABQAAAAUAAAAGQAAABkAAAAAAAAABcAAAAUAAAAAAAAAAAAAAD/fwAA/38AAAAAAAAJAAAABAAAANw7IAEeAAAAaAAAAAAAAAAAAAAAAAAAAAAAAAAAAAAAECcAABAnAAAAAAAAAAAAAAAAAAAAAAAAAAAAAAAAAAAAAAAAAAAAABQAAAAAAAAAwMD/AAAAAABkAAAAMgAAAAAAAABkAAAAAAAAAH9/fwAKAAAAIgAAABgAAAAAAAAAAAAAAAAAAAAAAAAAAAAAAAAAAAAkAAAAJAAAAAAAAAAHAAAAAAAAAAAAAAAAAAAAAAAAAAAAAAAAAAAAf39/ACUAAABYAAAAAAAAAAAAAAAAAAAAAAAAAAAAAAAAAAAAAAAAAAAAAAAAAAAAAAAAAAAAAAA/AAAAAAAAAKCGAQAAAAAAAAAAAAAAAAAMAAAAAQAAAAAAAAAAAAAAAAAAAB8AAABUAAAAAAAABQAAAAEAAAAAAAAAAAAAAAAAAAAAAAAAAAAAAAAAAAAAAAAAAAAAAAJ/f38AAAAAA8zMzADAwP8Af39/AAAAAAAAAAAAAAAAAAAAAAAAAAAAIQAAABgAAAAUAAAAoRkAABsnAABfMQAAWSkAABAAAAAmAAAACAAAAAAAAAAAAAAAMAAAABQAAAAAAAAAAAD//wAAAQAAAP//AAABAA=="/>
+                <pr:smNativeData xmlns:pr="smNativeData" xmlns="smNativeData" val="SMDATA_16_zLafZxMAAAAlAAAAZAAAAA8BAAAAkAAAAEgAAACQAAAASAAAAAAAAAABAAAAAAAAAAEAAABQAAAAAAAAAAAA4D8AAAAAAADgPwAAAAAAAOA/AAAAAAAA4D8AAAAAAADgPwAAAAAAAOA/AAAAAAAA4D8AAAAAAADgPwAAAAAAAOA/AAAAAAAA4D8CAAAAjAAAAAAAAAAAAAAAu+DjDP///wgAAAAAAAAAAAAAAAAAAAAAAAAAAAAAAAAAAAAAZAAAAAEAAABAAAAAAAAAAAAAAAAAAAAAAAAAAAAAAAAAAAAAAAAAAAAAAAAAAAAAAAAAAAAAAAAAAAAAAAAAAAAAAAAAAAAAAAAAAAAAAAAAAAAAAAAAAAAAAAAAAAAAFAAAADwAAAAAAAAAAAAAAAAAAAkUAAAAAQAAABQAAAAUAAAAFAAAAAEAAAAAAAAAZAAAAGQAAAAAAAAAZAAAAGQAAAAVAAAAYAAAAAAAAAAAAAAADwAAACADAAAAAAAAAAAAAAEAAACgMgAAVgcAAKr4//8BAAAAf39/AAEAAABkAAAAAAAAABQAAABAHwAAAAAAACYAAAAAAAAAwOD//wAAAAAmAAAAZAAAABYAAABMAAAAAAAAAAAAAAAEAAAAAAAAAAEAAACAgIAKAAAAACgAAAAoAAAAZAAAAGQAAAAAAAAAzMzMAAAAAABQAAAAUAAAAGQAAABkAAAAAAAAABcAAAAUAAAAAAAAAAAAAAD/fwAA/38AAAAAAAAJAAAABAAAANw7IAEeAAAAaAAAAAAAAAAAAAAAAAAAAAAAAAAAAAAAECcAABAnAAAAAAAAAAAAAAAAAAAAAAAAAAAAAAAAAAAAAAAAAAAAABQAAAAAAAAAwMD/AAAAAABkAAAAMgAAAAAAAABkAAAAAAAAAH9/fwAKAAAAIgAAABgAAAAAAAAAAAAAAAAAAAAAAAAAAAAAAAAAAAAkAAAAJAAAAAAAAAAHAAAAAAAAAAAAAAAAAAAAAAAAAAAAAAAAAAAAf39/ACUAAABYAAAAAAAAAAAAAAAAAAAAAAAAAAAAAAAAAAAAAAAAAAAAAAAAAAAAAAAAAAAAAAA/AAAAAAAAAKCGAQAAAAAAAAAAAAAAAAAMAAAAAQAAAAAAAAAAAAAAAAAAAB8AAABUAAAAAAAABQAAAAEAAAAAAAAAAAAAAAAAAAAAAAAAAAAAAAAAAAAAAAAAAAAAAAJ/f38AAAAAA8zMzADAwP8Af39/AAAAAAAAAAAAAAAAAAAAAAAAAAAAIQAAABgAAAAUAAAAoRkAABsnAABfMQAAWSkAABAAAAAmAAAACAAAAAAAAAAAAAAAMAAAABQAAAAAAAAAAAD//wAAAQAAAP//AAABAA=="/>
               </a:ext>
             </a:extLst>
           </p:cNvSpPr>
@@ -1915,7 +1917,7 @@
             <a:spLocks noGrp="1" noChangeArrowheads="1"/>
             <a:extLst>
               <a:ext uri="smNativeData">
-                <pr:smNativeData xmlns:pr="smNativeData" xmlns="smNativeData" val="SMDATA_16_oViJZxMAAAAlAAAAZAAAAA8BAAAAkAAAAEgAAACQAAAASAAAAAAAAAABAAAAAAAAAAEAAABQAAAAAAAAAAAA4D8AAAAAAADgPwAAAAAAAOA/AAAAAAAA4D8AAAAAAADgPwAAAAAAAOA/AAAAAAAA4D8AAAAAAADgPwAAAAAAAOA/AAAAAAAA4D8CAAAAjAAAAAAAAAAAAAAAu+DjDP///wgAAAAAAAAAAAAAAAAAAAAAAAAAAAAAAAAAAAAAZAAAAAEAAABAAAAAAAAAAAAAAAAAAAAAAAAAAAAAAAAAAAAAAAAAAAAAAAAAAAAAAAAAAAAAAAAAAAAAAAAAAAAAAAAAAAAAAAAAAAAAAAAAAAAAAAAAAAAAAAAAAAAAFAAAADwAAAAAAAAAAAAAAAAAAAkUAAAAAQAAABQAAAAUAAAAFAAAAAEAAAAAAAAAZAAAAGQAAAAAAAAAZAAAAGQAAAAVAAAAYAAAAAAAAAAAAAAADwAAACADAAAAAAAAAAAAAAEAAACgMgAAVgcAAKr4//8BAAAAf39/AAEAAABkAAAAAAAAABQAAABAHwAAAAAAACYAAAAAAAAAwOD//wAAAAAmAAAAZAAAABYAAABMAAAAAAAAAAAAAAAEAAAAAAAAAAEAAACAgIAKAAAAACgAAAAoAAAAZAAAAGQAAAAAAAAAzMzMAAAAAABQAAAAUAAAAGQAAABkAAAAAAAAABcAAAAUAAAAAAAAAAAAAAD/fwAA/38AAAAAAAAJAAAABAAAANw7IAEeAAAAaAAAAAAAAAAAAAAAAAAAAAAAAAAAAAAAECcAABAnAAAAAAAAAAAAAAAAAAAAAAAAAAAAAAAAAAAAAAAAAAAAABQAAAAAAAAAwMD/AAAAAABkAAAAMgAAAAAAAABkAAAAAAAAAH9/fwAKAAAAIgAAABgAAAAAAAAAAAAAAAAAAAAAAAAAAAAAAAAAAAAkAAAAJAAAAAAAAAAHAAAAAAAAAAAAAAAAAAAAAAAAAAAAAAAAAAAAf39/ACUAAABYAAAAAAAAAAAAAAAAAAAAAAAAAAAAAAAAAAAAAAAAAAAAAAAAAAAAAAAAAAAAAAA/AAAAAAAAAKCGAQAAAAAAAAAAAAAAAAAMAAAAAQAAAAAAAAAAAAAAAAAAAB8AAABUAAAAAAAABQAAAAEAAAAAAAAAAAAAAAAAAAAAAAAAAAAAAAAAAAAAAAAAAAAAAAJ/f38AAAAAA8zMzADAwP8Af39/AAAAAAAAAAAAAAAAAAAAAAAAAAAAIQAAABgAAAAUAAAAwTUAABsnAABARwAAWSkAABAAAAAmAAAACAAAAAAAAAAAAAAAMAAAABQAAAAAAAAAAAD//wAAAQAAAP//AAABAA=="/>
+                <pr:smNativeData xmlns:pr="smNativeData" xmlns="smNativeData" val="SMDATA_16_zLafZxMAAAAlAAAAZAAAAA8BAAAAkAAAAEgAAACQAAAASAAAAAAAAAABAAAAAAAAAAEAAABQAAAAAAAAAAAA4D8AAAAAAADgPwAAAAAAAOA/AAAAAAAA4D8AAAAAAADgPwAAAAAAAOA/AAAAAAAA4D8AAAAAAADgPwAAAAAAAOA/AAAAAAAA4D8CAAAAjAAAAAAAAAAAAAAAu+DjDP///wgAAAAAAAAAAAAAAAAAAAAAAAAAAAAAAAAAAAAAZAAAAAEAAABAAAAAAAAAAAAAAAAAAAAAAAAAAAAAAAAAAAAAAAAAAAAAAAAAAAAAAAAAAAAAAAAAAAAAAAAAAAAAAAAAAAAAAAAAAAAAAAAAAAAAAAAAAAAAAAAAAAAAFAAAADwAAAAAAAAAAAAAAAAAAAkUAAAAAQAAABQAAAAUAAAAFAAAAAEAAAAAAAAAZAAAAGQAAAAAAAAAZAAAAGQAAAAVAAAAYAAAAAAAAAAAAAAADwAAACADAAAAAAAAAAAAAAEAAACgMgAAVgcAAKr4//8BAAAAf39/AAEAAABkAAAAAAAAABQAAABAHwAAAAAAACYAAAAAAAAAwOD//wAAAAAmAAAAZAAAABYAAABMAAAAAAAAAAAAAAAEAAAAAAAAAAEAAACAgIAKAAAAACgAAAAoAAAAZAAAAGQAAAAAAAAAzMzMAAAAAABQAAAAUAAAAGQAAABkAAAAAAAAABcAAAAUAAAAAAAAAAAAAAD/fwAA/38AAAAAAAAJAAAABAAAANw7IAEeAAAAaAAAAAAAAAAAAAAAAAAAAAAAAAAAAAAAECcAABAnAAAAAAAAAAAAAAAAAAAAAAAAAAAAAAAAAAAAAAAAAAAAABQAAAAAAAAAwMD/AAAAAABkAAAAMgAAAAAAAABkAAAAAAAAAH9/fwAKAAAAIgAAABgAAAAAAAAAAAAAAAAAAAAAAAAAAAAAAAAAAAAkAAAAJAAAAAAAAAAHAAAAAAAAAAAAAAAAAAAAAAAAAAAAAAAAAAAAf39/ACUAAABYAAAAAAAAAAAAAAAAAAAAAAAAAAAAAAAAAAAAAAAAAAAAAAAAAAAAAAAAAAAAAAA/AAAAAAAAAKCGAQAAAAAAAAAAAAAAAAAMAAAAAQAAAAAAAAAAAAAAAAAAAB8AAABUAAAAAAAABQAAAAEAAAAAAAAAAAAAAAAAAAAAAAAAAAAAAAAAAAAAAAAAAAAAAAJ/f38AAAAAA8zMzADAwP8Af39/AAAAAAAAAAAAAAAAAAAAAAAAAAAAIQAAABgAAAAUAAAAwTUAABsnAABARwAAWSkAABAAAAAmAAAACAAAAAAAAAAAAAAAMAAAABQAAAAAAAAAAAD//wAAAQAAAP//AAABAA=="/>
               </a:ext>
             </a:extLst>
           </p:cNvSpPr>
@@ -1929,7 +1931,7 @@
           <a:lstStyle/>
           <a:p>
             <a:pPr/>
-            <a:fld id="{3D8E5762-2CD0-DBA1-9E36-DAF41978688F}" type="slidenum">
+            <a:fld id="{3FC4A83C-72D2-915E-9C7C-840BE6326AD1}" type="slidenum">
               <a:t/>
             </a:fld>
           </a:p>
@@ -1968,7 +1970,7 @@
             <a:spLocks noGrp="1" noChangeArrowheads="1"/>
             <a:extLst>
               <a:ext uri="smNativeData">
-                <pr:smNativeData xmlns:pr="smNativeData" xmlns="smNativeData" val="SMDATA_16_oViJZxMAAAAlAAAAZAAAAA8BAAAAkAAAAEgAAACQAAAASAAAAAAAAAABAAAAAAAAAAEAAABQAAAAAAAAAAAA4D8AAAAAAADgPwAAAAAAAOA/AAAAAAAA4D8AAAAAAADgPwAAAAAAAOA/AAAAAAAA4D8AAAAAAADgPwAAAAAAAOA/AAAAAAAA4D8CAAAAjAAAAAAAAAAAAAAAu+DjDP///wgAAAAAAAAAAAAAAAAAAAAAAAAAAAAAAAAAAAAAZAAAAAEAAABAAAAAAAAAAAAAAAAAAAAAAAAAAAAAAAAAAAAAAAAAAAAAAAAAAAAAAAAAAAAAAAAAAAAAAAAAAAAAAAAAAAAAAAAAAAAAAAAAAAAAAAAAAAAAAAAAAAAAFAAAADwAAAAAAAAAAAAAAAAAAAkUAAAAAQAAABQAAAAUAAAAFAAAAAEAAAAAAAAAZAAAAGQAAAAAAAAAZAAAAGQAAAAVAAAAYAAAAAAAAAAAAAAADwAAACADAAAAAAAAAAAAAAEAAACgMgAAVgcAAKr4//8BAAAAf39/AAEAAABkAAAAAAAAABQAAABAHwAAAAAAACYAAAAAAAAAwOD//wAAAAAmAAAAZAAAABYAAABMAAAAAAAAAAAAAAAEAAAAAAAAAAEAAACAgIAKAAAAACgAAAAoAAAAZAAAAGQAAAAAAAAAzMzMAAAAAABQAAAAUAAAAGQAAABkAAAAAAAAABcAAAAUAAAAAAAAAAAAAAD/fwAA/38AAAAAAAAJAAAABAAAANw7IAEeAAAAaAAAAAAAAAAAAAAAAAAAAAAAAAAAAAAAECcAABAnAAAAAAAAAAAAAAAAAAAAAAAAAAAAAAAAAAAAAAAAAAAAABQAAAAAAAAAwMD/AAAAAABkAAAAMgAAAAAAAABkAAAAAAAAAH9/fwAKAAAAIgAAABgAAAAAAAAAAAAAAAAAAAAAAAAAAAAAAAAAAAAkAAAAJAAAAAAAAAAHAAAAAAAAAAAAAAAAAAAAAAAAAAAAAAAAAAAAf39/ACUAAABYAAAAAAAAAAAAAAAAAAAAAAAAAAAAAAAAAAAAAAAAAAAAAAAAAAAAAAAAAAAAAAA/AAAAAAAAAKCGAQAAAAAAAAAAAAAAAAAMAAAAAQAAAAAAAAAAAAAAAAAAAB8AAABUAAAAAAAABQAAAAEAAAAAAAAAAAAAAAAAAAAAAAAAAAAAAAAAAAAAAAAAAAAAAAJ/f38AAAAAA8zMzADAwP8Af39/AAAAAAAAAAAAAAAAAAAAAAAAAAAAIQAAABgAAAAUAAAAwAMAALABAABARwAAuAgAABAAAAAmAAAACAAAAAAAAAAAAAAAMAAAABQAAAAAAAAAAAD//wAAAQAAAP//AAABAA=="/>
+                <pr:smNativeData xmlns:pr="smNativeData" xmlns="smNativeData" val="SMDATA_16_zLafZxMAAAAlAAAAZAAAAA8BAAAAkAAAAEgAAACQAAAASAAAAAAAAAABAAAAAAAAAAEAAABQAAAAAAAAAAAA4D8AAAAAAADgPwAAAAAAAOA/AAAAAAAA4D8AAAAAAADgPwAAAAAAAOA/AAAAAAAA4D8AAAAAAADgPwAAAAAAAOA/AAAAAAAA4D8CAAAAjAAAAAAAAAAAAAAAu+DjDP///wgAAAAAAAAAAAAAAAAAAAAAAAAAAAAAAAAAAAAAZAAAAAEAAABAAAAAAAAAAAAAAAAAAAAAAAAAAAAAAAAAAAAAAAAAAAAAAAAAAAAAAAAAAAAAAAAAAAAAAAAAAAAAAAAAAAAAAAAAAAAAAAAAAAAAAAAAAAAAAAAAAAAAFAAAADwAAAAAAAAAAAAAAAAAAAkUAAAAAQAAABQAAAAUAAAAFAAAAAEAAAAAAAAAZAAAAGQAAAAAAAAAZAAAAGQAAAAVAAAAYAAAAAAAAAAAAAAADwAAACADAAAAAAAAAAAAAAEAAACgMgAAVgcAAKr4//8BAAAAf39/AAEAAABkAAAAAAAAABQAAABAHwAAAAAAACYAAAAAAAAAwOD//wAAAAAmAAAAZAAAABYAAABMAAAAAAAAAAAAAAAEAAAAAAAAAAEAAACAgIAKAAAAACgAAAAoAAAAZAAAAGQAAAAAAAAAzMzMAAAAAABQAAAAUAAAAGQAAABkAAAAAAAAABcAAAAUAAAAAAAAAAAAAAD/fwAA/38AAAAAAAAJAAAABAAAANw7IAEeAAAAaAAAAAAAAAAAAAAAAAAAAAAAAAAAAAAAECcAABAnAAAAAAAAAAAAAAAAAAAAAAAAAAAAAAAAAAAAAAAAAAAAABQAAAAAAAAAwMD/AAAAAABkAAAAMgAAAAAAAABkAAAAAAAAAH9/fwAKAAAAIgAAABgAAAAAAAAAAAAAAAAAAAAAAAAAAAAAAAAAAAAkAAAAJAAAAAAAAAAHAAAAAAAAAAAAAAAAAAAAAAAAAAAAAAAAAAAAf39/ACUAAABYAAAAAAAAAAAAAAAAAAAAAAAAAAAAAAAAAAAAAAAAAAAAAAAAAAAAAAAAAAAAAAA/AAAAAAAAAKCGAQAAAAAAAAAAAAAAAAAMAAAAAQAAAAAAAAAAAAAAAAAAAB8AAABUAAAAAAAABQAAAAEAAAAAAAAAAAAAAAAAAAAAAAAAAAAAAAAAAAAAAAAAAAAAAAJ/f38AAAAAA8zMzADAwP8Af39/AAAAAAAAAAAAAAAAAAAAAAAAAAAAIQAAABgAAAAUAAAAwAMAALABAABARwAAuAgAABAAAAAmAAAACAAAAAAAAAAAAAAAMAAAABQAAAAAAAAAAAD//wAAAQAAAP//AAABAA=="/>
               </a:ext>
             </a:extLst>
           </p:cNvSpPr>
@@ -1995,7 +1997,7 @@
             <a:spLocks noGrp="1" noChangeArrowheads="1"/>
             <a:extLst>
               <a:ext uri="smNativeData">
-                <pr:smNativeData xmlns:pr="smNativeData" xmlns="smNativeData" val="SMDATA_16_oViJZxMAAAAlAAAAZAAAAA8BAAAAkAAAAEgAAACQAAAASAAAAAAAAAABAAAAAAAAAAEAAABQAAAAAAAAAAAA4D8AAAAAAADgPwAAAAAAAOA/AAAAAAAA4D8AAAAAAADgPwAAAAAAAOA/AAAAAAAA4D8AAAAAAADgPwAAAAAAAOA/AAAAAAAA4D8CAAAAjAAAAAAAAAAAAAAAu+DjDP///wgAAAAAAAAAAAAAAAAAAAAAAAAAAAAAAAAAAAAAZAAAAAEAAABAAAAAAAAAAAAAAAAAAAAAAAAAAAAAAAAAAAAAAAAAAAAAAAAAAAAAAAAAAAAAAAAAAAAAAAAAAAAAAAAAAAAAAAAAAAAAAAAAAAAAAAAAAAAAAAAAAAAAFAAAADwAAAAAAAAAAAAAAAAAAAkUAAAAAQAAABQAAAAUAAAAFAAAAAEAAAAAAAAAZAAAAGQAAAAAAAAAZAAAAGQAAAAVAAAAYAAAAAAAAAAAAAAADwAAACADAAAAAAAAAAAAAAEAAACgMgAAVgcAAKr4//8BAAAAf39/AAEAAABkAAAAAAAAABQAAABAHwAAAAAAACYAAAAAAAAAwOD//wAAAAAmAAAAZAAAABYAAABMAAAAAAAAAAAAAAAEAAAAAAAAAAEAAACAgIAKAAAAACgAAAAoAAAAZAAAAGQAAAAAAAAAzMzMAAAAAABQAAAAUAAAAGQAAABkAAAAAAAAABcAAAAUAAAAAAAAAAAAAAD/fwAA/38AAAAAAAAJAAAABAAAANw7IAEeAAAAaAAAAAAAAAAAAAAAAAAAAAAAAAAAAAAAECcAABAnAAAAAAAAAAAAAAAAAAAAAAAAAAAAAAAAAAAAAAAAAAAAABQAAAAAAAAAwMD/AAAAAABkAAAAMgAAAAAAAABkAAAAAAAAAH9/fwAKAAAAIgAAABgAAAAAAAAAAAAAAAAAAAAAAAAAAAAAAAAAAAAkAAAAJAAAAAAAAAAHAAAAAAAAAAAAAAAAAAAAAAAAAAAAAAAAAAAAf39/ACUAAABYAAAAAAAAAAAAAAAAAAAAAAAAAAAAAAAAAAAAAAAAAAAAAAAAAAAAAAAAAAAAAAA/AAAAAAAAAKCGAQAAAAAAAAAAAAAAAAAMAAAAAQAAAAAAAAAAAAAAAAAAAB8AAABUAAAAAAAABQAAAAEAAAAAAAAAAAAAAAAAAAAAAAAAAAAAAAAAAAAAAAAAAAAAAAJ/f38AAAAAA8zMzADAwP8Af39/AAAAAAAAAAAAAAAAAAAAAAAAAAAAIQAAABgAAAAUAAAAwAMAABsnAAA/FQAAWSkAABAAAAAmAAAACAAAAAAAAAAAAAAAMAAAABQAAAAAAAAAAAD//wAAAQAAAP//AAABAA=="/>
+                <pr:smNativeData xmlns:pr="smNativeData" xmlns="smNativeData" val="SMDATA_16_zLafZxMAAAAlAAAAZAAAAA8BAAAAkAAAAEgAAACQAAAASAAAAAAAAAABAAAAAAAAAAEAAABQAAAAAAAAAAAA4D8AAAAAAADgPwAAAAAAAOA/AAAAAAAA4D8AAAAAAADgPwAAAAAAAOA/AAAAAAAA4D8AAAAAAADgPwAAAAAAAOA/AAAAAAAA4D8CAAAAjAAAAAAAAAAAAAAAu+DjDP///wgAAAAAAAAAAAAAAAAAAAAAAAAAAAAAAAAAAAAAZAAAAAEAAABAAAAAAAAAAAAAAAAAAAAAAAAAAAAAAAAAAAAAAAAAAAAAAAAAAAAAAAAAAAAAAAAAAAAAAAAAAAAAAAAAAAAAAAAAAAAAAAAAAAAAAAAAAAAAAAAAAAAAFAAAADwAAAAAAAAAAAAAAAAAAAkUAAAAAQAAABQAAAAUAAAAFAAAAAEAAAAAAAAAZAAAAGQAAAAAAAAAZAAAAGQAAAAVAAAAYAAAAAAAAAAAAAAADwAAACADAAAAAAAAAAAAAAEAAACgMgAAVgcAAKr4//8BAAAAf39/AAEAAABkAAAAAAAAABQAAABAHwAAAAAAACYAAAAAAAAAwOD//wAAAAAmAAAAZAAAABYAAABMAAAAAAAAAAAAAAAEAAAAAAAAAAEAAACAgIAKAAAAACgAAAAoAAAAZAAAAGQAAAAAAAAAzMzMAAAAAABQAAAAUAAAAGQAAABkAAAAAAAAABcAAAAUAAAAAAAAAAAAAAD/fwAA/38AAAAAAAAJAAAABAAAANw7IAEeAAAAaAAAAAAAAAAAAAAAAAAAAAAAAAAAAAAAECcAABAnAAAAAAAAAAAAAAAAAAAAAAAAAAAAAAAAAAAAAAAAAAAAABQAAAAAAAAAwMD/AAAAAABkAAAAMgAAAAAAAABkAAAAAAAAAH9/fwAKAAAAIgAAABgAAAAAAAAAAAAAAAAAAAAAAAAAAAAAAAAAAAAkAAAAJAAAAAAAAAAHAAAAAAAAAAAAAAAAAAAAAAAAAAAAAAAAAAAAf39/ACUAAABYAAAAAAAAAAAAAAAAAAAAAAAAAAAAAAAAAAAAAAAAAAAAAAAAAAAAAAAAAAAAAAA/AAAAAAAAAKCGAQAAAAAAAAAAAAAAAAAMAAAAAQAAAAAAAAAAAAAAAAAAAB8AAABUAAAAAAAABQAAAAEAAAAAAAAAAAAAAAAAAAAAAAAAAAAAAAAAAAAAAAAAAAAAAAJ/f38AAAAAA8zMzADAwP8Af39/AAAAAAAAAAAAAAAAAAAAAAAAAAAAIQAAABgAAAAUAAAAwAMAABsnAAA/FQAAWSkAABAAAAAmAAAACAAAAAAAAAAAAAAAMAAAABQAAAAAAAAAAAD//wAAAQAAAP//AAABAA=="/>
               </a:ext>
             </a:extLst>
           </p:cNvSpPr>
@@ -2009,7 +2011,7 @@
           <a:lstStyle/>
           <a:p>
             <a:pPr/>
-            <a:fld id="{3D8E6F6E-20D0-DB99-9E36-D6CC21786883}" type="datetime1">
+            <a:fld id="{3FC4EE86-C8D2-9118-9C7C-3E4DA0326A6B}" type="datetime1">
               <a:t/>
             </a:fld>
           </a:p>
@@ -2022,7 +2024,7 @@
             <a:spLocks noGrp="1" noChangeArrowheads="1"/>
             <a:extLst>
               <a:ext uri="smNativeData">
-                <pr:smNativeData xmlns:pr="smNativeData" xmlns="smNativeData" val="SMDATA_16_oViJZxMAAAAlAAAAZAAAAA8BAAAAkAAAAEgAAACQAAAASAAAAAAAAAABAAAAAAAAAAEAAABQAAAAAAAAAAAA4D8AAAAAAADgPwAAAAAAAOA/AAAAAAAA4D8AAAAAAADgPwAAAAAAAOA/AAAAAAAA4D8AAAAAAADgPwAAAAAAAOA/AAAAAAAA4D8CAAAAjAAAAAAAAAAAAAAAu+DjDP///wgAAAAAAAAAAAAAAAAAAAAAAAAAAAAAAAAAAAAAZAAAAAEAAABAAAAAAAAAAAAAAAAAAAAAAAAAAAAAAAAAAAAAAAAAAAAAAAAAAAAAAAAAAAAAAAAAAAAAAAAAAAAAAAAAAAAAAAAAAAAAAAAAAAAAAAAAAAAAAAAAAAAAFAAAADwAAAAAAAAAAAAAAAAAAAkUAAAAAQAAABQAAAAUAAAAFAAAAAEAAAAAAAAAZAAAAGQAAAAAAAAAZAAAAGQAAAAVAAAAYAAAAAAAAAAAAAAADwAAACADAAAAAAAAAAAAAAEAAACgMgAAVgcAAKr4//8BAAAAf39/AAEAAABkAAAAAAAAABQAAABAHwAAAAAAACYAAAAAAAAAwOD//wAAAAAmAAAAZAAAABYAAABMAAAAAAAAAAAAAAAEAAAAAAAAAAEAAACAgIAKAAAAACgAAAAoAAAAZAAAAGQAAAAAAAAAzMzMAAAAAABQAAAAUAAAAGQAAABkAAAAAAAAABcAAAAUAAAAAAAAAAAAAAD/fwAA/38AAAAAAAAJAAAABAAAANw7IAEeAAAAaAAAAAAAAAAAAAAAAAAAAAAAAAAAAAAAECcAABAnAAAAAAAAAAAAAAAAAAAAAAAAAAAAAAAAAAAAAAAAAAAAABQAAAAAAAAAwMD/AAAAAABkAAAAMgAAAAAAAABkAAAAAAAAAH9/fwAKAAAAIgAAABgAAAAAAAAAAAAAAAAAAAAAAAAAAAAAAAAAAAAkAAAAJAAAAAAAAAAHAAAAAAAAAAAAAAAAAAAAAAAAAAAAAAAAAAAAf39/ACUAAABYAAAAAAAAAAAAAAAAAAAAAAAAAAAAAAAAAAAAAAAAAAAAAAAAAAAAAAAAAAAAAAA/AAAAAAAAAKCGAQAAAAAAAAAAAAAAAAAMAAAAAQAAAAAAAAAAAAAAAAAAAB8AAABUAAAAAAAABQAAAAEAAAAAAAAAAAAAAAAAAAAAAAAAAAAAAAAAAAAAAAAAAAAAAAJ/f38AAAAAA8zMzADAwP8Af39/AAAAAAAAAAAAAAAAAAAAAAAAAAAAIQAAABgAAAAUAAAAoRkAABsnAABfMQAAWSkAABAAAAAmAAAACAAAAAAAAAAAAAAAMAAAABQAAAAAAAAAAAD//wAAAQAAAP//AAABAA=="/>
+                <pr:smNativeData xmlns:pr="smNativeData" xmlns="smNativeData" val="SMDATA_16_zLafZxMAAAAlAAAAZAAAAA8BAAAAkAAAAEgAAACQAAAASAAAAAAAAAABAAAAAAAAAAEAAABQAAAAAAAAAAAA4D8AAAAAAADgPwAAAAAAAOA/AAAAAAAA4D8AAAAAAADgPwAAAAAAAOA/AAAAAAAA4D8AAAAAAADgPwAAAAAAAOA/AAAAAAAA4D8CAAAAjAAAAAAAAAAAAAAAu+DjDP///wgAAAAAAAAAAAAAAAAAAAAAAAAAAAAAAAAAAAAAZAAAAAEAAABAAAAAAAAAAAAAAAAAAAAAAAAAAAAAAAAAAAAAAAAAAAAAAAAAAAAAAAAAAAAAAAAAAAAAAAAAAAAAAAAAAAAAAAAAAAAAAAAAAAAAAAAAAAAAAAAAAAAAFAAAADwAAAAAAAAAAAAAAAAAAAkUAAAAAQAAABQAAAAUAAAAFAAAAAEAAAAAAAAAZAAAAGQAAAAAAAAAZAAAAGQAAAAVAAAAYAAAAAAAAAAAAAAADwAAACADAAAAAAAAAAAAAAEAAACgMgAAVgcAAKr4//8BAAAAf39/AAEAAABkAAAAAAAAABQAAABAHwAAAAAAACYAAAAAAAAAwOD//wAAAAAmAAAAZAAAABYAAABMAAAAAAAAAAAAAAAEAAAAAAAAAAEAAACAgIAKAAAAACgAAAAoAAAAZAAAAGQAAAAAAAAAzMzMAAAAAABQAAAAUAAAAGQAAABkAAAAAAAAABcAAAAUAAAAAAAAAAAAAAD/fwAA/38AAAAAAAAJAAAABAAAANw7IAEeAAAAaAAAAAAAAAAAAAAAAAAAAAAAAAAAAAAAECcAABAnAAAAAAAAAAAAAAAAAAAAAAAAAAAAAAAAAAAAAAAAAAAAABQAAAAAAAAAwMD/AAAAAABkAAAAMgAAAAAAAABkAAAAAAAAAH9/fwAKAAAAIgAAABgAAAAAAAAAAAAAAAAAAAAAAAAAAAAAAAAAAAAkAAAAJAAAAAAAAAAHAAAAAAAAAAAAAAAAAAAAAAAAAAAAAAAAAAAAf39/ACUAAABYAAAAAAAAAAAAAAAAAAAAAAAAAAAAAAAAAAAAAAAAAAAAAAAAAAAAAAAAAAAAAAA/AAAAAAAAAKCGAQAAAAAAAAAAAAAAAAAMAAAAAQAAAAAAAAAAAAAAAAAAAB8AAABUAAAAAAAABQAAAAEAAAAAAAAAAAAAAAAAAAAAAAAAAAAAAAAAAAAAAAAAAAAAAAJ/f38AAAAAA8zMzADAwP8Af39/AAAAAAAAAAAAAAAAAAAAAAAAAAAAIQAAABgAAAAUAAAAoRkAABsnAABfMQAAWSkAABAAAAAmAAAACAAAAAAAAAAAAAAAMAAAABQAAAAAAAAAAAD//wAAAQAAAP//AAABAA=="/>
               </a:ext>
             </a:extLst>
           </p:cNvSpPr>
@@ -2046,7 +2048,7 @@
             <a:spLocks noGrp="1" noChangeArrowheads="1"/>
             <a:extLst>
               <a:ext uri="smNativeData">
-                <pr:smNativeData xmlns:pr="smNativeData" xmlns="smNativeData" val="SMDATA_16_oViJZxMAAAAlAAAAZAAAAA8BAAAAkAAAAEgAAACQAAAASAAAAAAAAAABAAAAAAAAAAEAAABQAAAAAAAAAAAA4D8AAAAAAADgPwAAAAAAAOA/AAAAAAAA4D8AAAAAAADgPwAAAAAAAOA/AAAAAAAA4D8AAAAAAADgPwAAAAAAAOA/AAAAAAAA4D8CAAAAjAAAAAAAAAAAAAAAu+DjDP///wgAAAAAAAAAAAAAAAAAAAAAAAAAAAAAAAAAAAAAZAAAAAEAAABAAAAAAAAAAAAAAAAAAAAAAAAAAAAAAAAAAAAAAAAAAAAAAAAAAAAAAAAAAAAAAAAAAAAAAAAAAAAAAAAAAAAAAAAAAAAAAAAAAAAAAAAAAAAAAAAAAAAAFAAAADwAAAAAAAAAAAAAAAAAAAkUAAAAAQAAABQAAAAUAAAAFAAAAAEAAAAAAAAAZAAAAGQAAAAAAAAAZAAAAGQAAAAVAAAAYAAAAAAAAAAAAAAADwAAACADAAAAAAAAAAAAAAEAAACgMgAAVgcAAKr4//8BAAAAf39/AAEAAABkAAAAAAAAABQAAABAHwAAAAAAACYAAAAAAAAAwOD//wAAAAAmAAAAZAAAABYAAABMAAAAAAAAAAAAAAAEAAAAAAAAAAEAAACAgIAKAAAAACgAAAAoAAAAZAAAAGQAAAAAAAAAzMzMAAAAAABQAAAAUAAAAGQAAABkAAAAAAAAABcAAAAUAAAAAAAAAAAAAAD/fwAA/38AAAAAAAAJAAAABAAAANw7IAEeAAAAaAAAAAAAAAAAAAAAAAAAAAAAAAAAAAAAECcAABAnAAAAAAAAAAAAAAAAAAAAAAAAAAAAAAAAAAAAAAAAAAAAABQAAAAAAAAAwMD/AAAAAABkAAAAMgAAAAAAAABkAAAAAAAAAH9/fwAKAAAAIgAAABgAAAAAAAAAAAAAAAAAAAAAAAAAAAAAAAAAAAAkAAAAJAAAAAAAAAAHAAAAAAAAAAAAAAAAAAAAAAAAAAAAAAAAAAAAf39/ACUAAABYAAAAAAAAAAAAAAAAAAAAAAAAAAAAAAAAAAAAAAAAAAAAAAAAAAAAAAAAAAAAAAA/AAAAAAAAAKCGAQAAAAAAAAAAAAAAAAAMAAAAAQAAAAAAAAAAAAAAAAAAAB8AAABUAAAAAAAABQAAAAEAAAAAAAAAAAAAAAAAAAAAAAAAAAAAAAAAAAAAAAAAAAAAAAJ/f38AAAAAA8zMzADAwP8Af39/AAAAAAAAAAAAAAAAAAAAAAAAAAAAIQAAABgAAAAUAAAAwTUAABsnAABARwAAWSkAABAAAAAmAAAACAAAAAAAAAAAAAAAMAAAABQAAAAAAAAAAAD//wAAAQAAAP//AAABAA=="/>
+                <pr:smNativeData xmlns:pr="smNativeData" xmlns="smNativeData" val="SMDATA_16_zLafZxMAAAAlAAAAZAAAAA8BAAAAkAAAAEgAAACQAAAASAAAAAAAAAABAAAAAAAAAAEAAABQAAAAAAAAAAAA4D8AAAAAAADgPwAAAAAAAOA/AAAAAAAA4D8AAAAAAADgPwAAAAAAAOA/AAAAAAAA4D8AAAAAAADgPwAAAAAAAOA/AAAAAAAA4D8CAAAAjAAAAAAAAAAAAAAAu+DjDP///wgAAAAAAAAAAAAAAAAAAAAAAAAAAAAAAAAAAAAAZAAAAAEAAABAAAAAAAAAAAAAAAAAAAAAAAAAAAAAAAAAAAAAAAAAAAAAAAAAAAAAAAAAAAAAAAAAAAAAAAAAAAAAAAAAAAAAAAAAAAAAAAAAAAAAAAAAAAAAAAAAAAAAFAAAADwAAAAAAAAAAAAAAAAAAAkUAAAAAQAAABQAAAAUAAAAFAAAAAEAAAAAAAAAZAAAAGQAAAAAAAAAZAAAAGQAAAAVAAAAYAAAAAAAAAAAAAAADwAAACADAAAAAAAAAAAAAAEAAACgMgAAVgcAAKr4//8BAAAAf39/AAEAAABkAAAAAAAAABQAAABAHwAAAAAAACYAAAAAAAAAwOD//wAAAAAmAAAAZAAAABYAAABMAAAAAAAAAAAAAAAEAAAAAAAAAAEAAACAgIAKAAAAACgAAAAoAAAAZAAAAGQAAAAAAAAAzMzMAAAAAABQAAAAUAAAAGQAAABkAAAAAAAAABcAAAAUAAAAAAAAAAAAAAD/fwAA/38AAAAAAAAJAAAABAAAANw7IAEeAAAAaAAAAAAAAAAAAAAAAAAAAAAAAAAAAAAAECcAABAnAAAAAAAAAAAAAAAAAAAAAAAAAAAAAAAAAAAAAAAAAAAAABQAAAAAAAAAwMD/AAAAAABkAAAAMgAAAAAAAABkAAAAAAAAAH9/fwAKAAAAIgAAABgAAAAAAAAAAAAAAAAAAAAAAAAAAAAAAAAAAAAkAAAAJAAAAAAAAAAHAAAAAAAAAAAAAAAAAAAAAAAAAAAAAAAAAAAAf39/ACUAAABYAAAAAAAAAAAAAAAAAAAAAAAAAAAAAAAAAAAAAAAAAAAAAAAAAAAAAAAAAAAAAAA/AAAAAAAAAKCGAQAAAAAAAAAAAAAAAAAMAAAAAQAAAAAAAAAAAAAAAAAAAB8AAABUAAAAAAAABQAAAAEAAAAAAAAAAAAAAAAAAAAAAAAAAAAAAAAAAAAAAAAAAAAAAAJ/f38AAAAAA8zMzADAwP8Af39/AAAAAAAAAAAAAAAAAAAAAAAAAAAAIQAAABgAAAAUAAAAwTUAABsnAABARwAAWSkAABAAAAAmAAAACAAAAAAAAAAAAAAAMAAAABQAAAAAAAAAAAD//wAAAQAAAP//AAABAA=="/>
               </a:ext>
             </a:extLst>
           </p:cNvSpPr>
@@ -2060,7 +2062,7 @@
           <a:lstStyle/>
           <a:p>
             <a:pPr/>
-            <a:fld id="{3D8E7056-18D0-DB86-9E36-EED33E7868BB}" type="slidenum">
+            <a:fld id="{3FC4E076-38D2-9116-9C7C-CE43AE326A9B}" type="slidenum">
               <a:t/>
             </a:fld>
           </a:p>
@@ -2099,7 +2101,7 @@
             <a:spLocks noGrp="1" noChangeArrowheads="1"/>
             <a:extLst>
               <a:ext uri="smNativeData">
-                <pr:smNativeData xmlns:pr="smNativeData" xmlns="smNativeData" val="SMDATA_16_oViJZxMAAAAlAAAAZAAAAA8BAAAAkAAAAEgAAACQAAAASAAAAAAAAAABAAAAAAAAAAEAAABQAAAAAAAAAAAA4D8AAAAAAADgPwAAAAAAAOA/AAAAAAAA4D8AAAAAAADgPwAAAAAAAOA/AAAAAAAA4D8AAAAAAADgPwAAAAAAAOA/AAAAAAAA4D8CAAAAjAAAAAAAAAAAAAAAu+DjDP///wgAAAAAAAAAAAAAAAAAAAAAAAAAAAAAAAAAAAAAZAAAAAEAAABAAAAAAAAAAAAAAAAAAAAAAAAAAAAAAAAAAAAAAAAAAAAAAAAAAAAAAAAAAAAAAAAAAAAAAAAAAAAAAAAAAAAAAAAAAAAAAAAAAAAAAAAAAAAAAAAAAAAAFAAAADwAAAAAAAAAAAAAAAAAAAkUAAAAAQAAABQAAAAUAAAAFAAAAAEAAAAAAAAAZAAAAGQAAAAAAAAAZAAAAGQAAAAVAAAAYAAAAAAAAAAAAAAADwAAACADAAAAAAAAAAAAAAEAAACgMgAAVgcAAKr4//8BAAAAf39/AAEAAABkAAAAAAAAABQAAABAHwAAAAAAACYAAAAAAAAAwOD//wAAAAAmAAAAZAAAABYAAABMAAAAAAAAAAAAAAAEAAAAAAAAAAEAAACAgIAKAAAAACgAAAAoAAAAZAAAAGQAAAAAAAAAzMzMAAAAAABQAAAAUAAAAGQAAABkAAAAAAAAABcAAAAUAAAAAAAAAAAAAAD/fwAA/38AAAAAAAAJAAAABAAAANw7IAEeAAAAaAAAAAAAAAAAAAAAAAAAAAAAAAAAAAAAECcAABAnAAAAAAAAAAAAAAAAAAAAAAAAAAAAAAAAAAAAAAAAAAAAABQAAAAAAAAAwMD/AAAAAABkAAAAMgAAAAAAAABkAAAAAAAAAH9/fwAKAAAAIgAAABgAAAAAAAAAAAAAAAAAAAAAAAAAAAAAAAAAAAAkAAAAJAAAAAAAAAAHAAAAAAAAAAAAAAAAAAAAAAAAAAAAAAAAAAAAf39/ACUAAABYAAAAAAAAAAAAAAAAAAAAAAAAAAAAAAAAAAAAAAAAAAAAAAAAAAAAAAAAAAAAAAA/AAAAAAAAAKCGAQAAAAAAAAAAAAAAAAAMAAAAAQAAAAAAAAAAAAAAAAAAAB8AAABUAAAAAAAABQAAAAEAAAAAAAAAAAAAAAAAAAAAAAAAAAAAAAAAAAAAAAAAAAAAAAJ/f38AAAAAA8zMzADAwP8Af39/AAAAAAAAAAAAAAAAAAAAAAAAAAAAIQAAABgAAAAUAAAAwAMAABsnAAA/FQAAWSkAABAAAAAmAAAACAAAAAAAAAAAAAAAMAAAABQAAAAAAAAAAAD//wAAAQAAAP//AAABAA=="/>
+                <pr:smNativeData xmlns:pr="smNativeData" xmlns="smNativeData" val="SMDATA_16_zLafZxMAAAAlAAAAZAAAAA8BAAAAkAAAAEgAAACQAAAASAAAAAAAAAABAAAAAAAAAAEAAABQAAAAAAAAAAAA4D8AAAAAAADgPwAAAAAAAOA/AAAAAAAA4D8AAAAAAADgPwAAAAAAAOA/AAAAAAAA4D8AAAAAAADgPwAAAAAAAOA/AAAAAAAA4D8CAAAAjAAAAAAAAAAAAAAAu+DjDP///wgAAAAAAAAAAAAAAAAAAAAAAAAAAAAAAAAAAAAAZAAAAAEAAABAAAAAAAAAAAAAAAAAAAAAAAAAAAAAAAAAAAAAAAAAAAAAAAAAAAAAAAAAAAAAAAAAAAAAAAAAAAAAAAAAAAAAAAAAAAAAAAAAAAAAAAAAAAAAAAAAAAAAFAAAADwAAAAAAAAAAAAAAAAAAAkUAAAAAQAAABQAAAAUAAAAFAAAAAEAAAAAAAAAZAAAAGQAAAAAAAAAZAAAAGQAAAAVAAAAYAAAAAAAAAAAAAAADwAAACADAAAAAAAAAAAAAAEAAACgMgAAVgcAAKr4//8BAAAAf39/AAEAAABkAAAAAAAAABQAAABAHwAAAAAAACYAAAAAAAAAwOD//wAAAAAmAAAAZAAAABYAAABMAAAAAAAAAAAAAAAEAAAAAAAAAAEAAACAgIAKAAAAACgAAAAoAAAAZAAAAGQAAAAAAAAAzMzMAAAAAABQAAAAUAAAAGQAAABkAAAAAAAAABcAAAAUAAAAAAAAAAAAAAD/fwAA/38AAAAAAAAJAAAABAAAANw7IAEeAAAAaAAAAAAAAAAAAAAAAAAAAAAAAAAAAAAAECcAABAnAAAAAAAAAAAAAAAAAAAAAAAAAAAAAAAAAAAAAAAAAAAAABQAAAAAAAAAwMD/AAAAAABkAAAAMgAAAAAAAABkAAAAAAAAAH9/fwAKAAAAIgAAABgAAAAAAAAAAAAAAAAAAAAAAAAAAAAAAAAAAAAkAAAAJAAAAAAAAAAHAAAAAAAAAAAAAAAAAAAAAAAAAAAAAAAAAAAAf39/ACUAAABYAAAAAAAAAAAAAAAAAAAAAAAAAAAAAAAAAAAAAAAAAAAAAAAAAAAAAAAAAAAAAAA/AAAAAAAAAKCGAQAAAAAAAAAAAAAAAAAMAAAAAQAAAAAAAAAAAAAAAAAAAB8AAABUAAAAAAAABQAAAAEAAAAAAAAAAAAAAAAAAAAAAAAAAAAAAAAAAAAAAAAAAAAAAAJ/f38AAAAAA8zMzADAwP8Af39/AAAAAAAAAAAAAAAAAAAAAAAAAAAAIQAAABgAAAAUAAAAwAMAABsnAAA/FQAAWSkAABAAAAAmAAAACAAAAAAAAAAAAAAAMAAAABQAAAAAAAAAAAD//wAAAQAAAP//AAABAA=="/>
               </a:ext>
             </a:extLst>
           </p:cNvSpPr>
@@ -2113,7 +2115,7 @@
           <a:lstStyle/>
           <a:p>
             <a:pPr/>
-            <a:fld id="{3D8E380A-44D0-DBCE-9E36-B29B767868E7}" type="datetime1">
+            <a:fld id="{3FC4800E-40D2-9176-9C7C-B623CE326AE3}" type="datetime1">
               <a:t/>
             </a:fld>
           </a:p>
@@ -2126,7 +2128,7 @@
             <a:spLocks noGrp="1" noChangeArrowheads="1"/>
             <a:extLst>
               <a:ext uri="smNativeData">
-                <pr:smNativeData xmlns:pr="smNativeData" xmlns="smNativeData" val="SMDATA_16_oViJZxMAAAAlAAAAZAAAAA8BAAAAkAAAAEgAAACQAAAASAAAAAAAAAABAAAAAAAAAAEAAABQAAAAAAAAAAAA4D8AAAAAAADgPwAAAAAAAOA/AAAAAAAA4D8AAAAAAADgPwAAAAAAAOA/AAAAAAAA4D8AAAAAAADgPwAAAAAAAOA/AAAAAAAA4D8CAAAAjAAAAAAAAAAAAAAAu+DjDP///wgAAAAAAAAAAAAAAAAAAAAAAAAAAAAAAAAAAAAAZAAAAAEAAABAAAAAAAAAAAAAAAAAAAAAAAAAAAAAAAAAAAAAAAAAAAAAAAAAAAAAAAAAAAAAAAAAAAAAAAAAAAAAAAAAAAAAAAAAAAAAAAAAAAAAAAAAAAAAAAAAAAAAFAAAADwAAAAAAAAAAAAAAAAAAAkUAAAAAQAAABQAAAAUAAAAFAAAAAEAAAAAAAAAZAAAAGQAAAAAAAAAZAAAAGQAAAAVAAAAYAAAAAAAAAAAAAAADwAAACADAAAAAAAAAAAAAAEAAACgMgAAVgcAAKr4//8BAAAAf39/AAEAAABkAAAAAAAAABQAAABAHwAAAAAAACYAAAAAAAAAwOD//wAAAAAmAAAAZAAAABYAAABMAAAAAAAAAAAAAAAEAAAAAAAAAAEAAACAgIAKAAAAACgAAAAoAAAAZAAAAGQAAAAAAAAAzMzMAAAAAABQAAAAUAAAAGQAAABkAAAAAAAAABcAAAAUAAAAAAAAAAAAAAD/fwAA/38AAAAAAAAJAAAABAAAAAAAAAAeAAAAaAAAAAAAAAAAAAAAAAAAAAAAAAAAAAAAECcAABAnAAAAAAAAAAAAAAAAAAAAAAAAAAAAAAAAAAAAAAAAAAAAABQAAAAAAAAAwMD/AAAAAABkAAAAMgAAAAAAAABkAAAAAAAAAH9/fwAKAAAAIgAAABgAAAAAAAAAAAAAAAAAAAAAAAAAAAAAAAAAAAAkAAAAJAAAAAAAAAAHAAAAAAAAAAAAAAAAAAAAAAAAAAAAAAAAAAAAf39/ACUAAABYAAAAAAAAAAAAAAAAAAAAAAAAAAAAAAAAAAAAAAAAAAAAAAAAAAAAAAAAAAAAAAA/AAAAAAAAAKCGAQAAAAAAAAAAAAAAAAAMAAAAAQAAAAAAAAAAAAAAAAAAAB8AAABUAAAAAAAABQAAAAEAAAAAAAAAAAAAAAAAAAAAAAAAAAAAAAAAAAAAAAAAAAAAAAJ/f38AAAAAA8zMzADAwP8Af39/AAAAAAAAAAAAAAAAAAAAAAAAAAAAIQAAABgAAAAUAAAAoRkAABsnAABfMQAAWSkAABAAAAAmAAAACAAAAAAAAAAAAAAAMAAAABQAAAAAAAAAAAD//wAAAQAAAP//AAABAA=="/>
+                <pr:smNativeData xmlns:pr="smNativeData" xmlns="smNativeData" val="SMDATA_16_zLafZxMAAAAlAAAAZAAAAA8BAAAAkAAAAEgAAACQAAAASAAAAAAAAAABAAAAAAAAAAEAAABQAAAAAAAAAAAA4D8AAAAAAADgPwAAAAAAAOA/AAAAAAAA4D8AAAAAAADgPwAAAAAAAOA/AAAAAAAA4D8AAAAAAADgPwAAAAAAAOA/AAAAAAAA4D8CAAAAjAAAAAAAAAAAAAAAu+DjDP///wgAAAAAAAAAAAAAAAAAAAAAAAAAAAAAAAAAAAAAZAAAAAEAAABAAAAAAAAAAAAAAAAAAAAAAAAAAAAAAAAAAAAAAAAAAAAAAAAAAAAAAAAAAAAAAAAAAAAAAAAAAAAAAAAAAAAAAAAAAAAAAAAAAAAAAAAAAAAAAAAAAAAAFAAAADwAAAAAAAAAAAAAAAAAAAkUAAAAAQAAABQAAAAUAAAAFAAAAAEAAAAAAAAAZAAAAGQAAAAAAAAAZAAAAGQAAAAVAAAAYAAAAAAAAAAAAAAADwAAACADAAAAAAAAAAAAAAEAAACgMgAAVgcAAKr4//8BAAAAf39/AAEAAABkAAAAAAAAABQAAABAHwAAAAAAACYAAAAAAAAAwOD//wAAAAAmAAAAZAAAABYAAABMAAAAAAAAAAAAAAAEAAAAAAAAAAEAAACAgIAKAAAAACgAAAAoAAAAZAAAAGQAAAAAAAAAzMzMAAAAAABQAAAAUAAAAGQAAABkAAAAAAAAABcAAAAUAAAAAAAAAAAAAAD/fwAA/38AAAAAAAAJAAAABAAAAAAAAAAeAAAAaAAAAAAAAAAAAAAAAAAAAAAAAAAAAAAAECcAABAnAAAAAAAAAAAAAAAAAAAAAAAAAAAAAAAAAAAAAAAAAAAAABQAAAAAAAAAwMD/AAAAAABkAAAAMgAAAAAAAABkAAAAAAAAAH9/fwAKAAAAIgAAABgAAAAAAAAAAAAAAAAAAAAAAAAAAAAAAAAAAAAkAAAAJAAAAAAAAAAHAAAAAAAAAAAAAAAAAAAAAAAAAAAAAAAAAAAAf39/ACUAAABYAAAAAAAAAAAAAAAAAAAAAAAAAAAAAAAAAAAAAAAAAAAAAAAAAAAAAAAAAAAAAAA/AAAAAAAAAKCGAQAAAAAAAAAAAAAAAAAMAAAAAQAAAAAAAAAAAAAAAAAAAB8AAABUAAAAAAAABQAAAAEAAAAAAAAAAAAAAAAAAAAAAAAAAAAAAAAAAAAAAAAAAAAAAAJ/f38AAAAAA8zMzADAwP8Af39/AAAAAAAAAAAAAAAAAAAAAAAAAAAAIQAAABgAAAAUAAAAoRkAABsnAABfMQAAWSkAABAAAAAmAAAACAAAAAAAAAAAAAAAMAAAABQAAAAAAAAAAAD//wAAAQAAAP//AAABAA=="/>
               </a:ext>
             </a:extLst>
           </p:cNvSpPr>
@@ -2150,7 +2152,7 @@
             <a:spLocks noGrp="1" noChangeArrowheads="1"/>
             <a:extLst>
               <a:ext uri="smNativeData">
-                <pr:smNativeData xmlns:pr="smNativeData" xmlns="smNativeData" val="SMDATA_16_oViJZxMAAAAlAAAAZAAAAA8BAAAAkAAAAEgAAACQAAAASAAAAAAAAAABAAAAAAAAAAEAAABQAAAAAAAAAAAA4D8AAAAAAADgPwAAAAAAAOA/AAAAAAAA4D8AAAAAAADgPwAAAAAAAOA/AAAAAAAA4D8AAAAAAADgPwAAAAAAAOA/AAAAAAAA4D8CAAAAjAAAAAAAAAAAAAAAu+DjDP///wgAAAAAAAAAAAAAAAAAAAAAAAAAAAAAAAAAAAAAZAAAAAEAAABAAAAAAAAAAAAAAAAAAAAAAAAAAAAAAAAAAAAAAAAAAAAAAAAAAAAAAAAAAAAAAAAAAAAAAAAAAAAAAAAAAAAAAAAAAAAAAAAAAAAAAAAAAAAAAAAAAAAAFAAAADwAAAAAAAAAAAAAAAAAAAkUAAAAAQAAABQAAAAUAAAAFAAAAAEAAAAAAAAAZAAAAGQAAAAAAAAAZAAAAGQAAAAVAAAAYAAAAAAAAAAAAAAADwAAACADAAAAAAAAAAAAAAEAAACgMgAAVgcAAKr4//8BAAAAf39/AAEAAABkAAAAAAAAABQAAABAHwAAAAAAACYAAAAAAAAAwOD//wAAAAAmAAAAZAAAABYAAABMAAAAAAAAAAAAAAAEAAAAAAAAAAEAAACAgIAKAAAAACgAAAAoAAAAZAAAAGQAAAAAAAAAzMzMAAAAAABQAAAAUAAAAGQAAABkAAAAAAAAABcAAAAUAAAAAAAAAAAAAAD/fwAA/38AAAAAAAAJAAAABAAAAAAAAAAeAAAAaAAAAAAAAAAAAAAAAAAAAAAAAAAAAAAAECcAABAnAAAAAAAAAAAAAAAAAAAAAAAAAAAAAAAAAAAAAAAAAAAAABQAAAAAAAAAwMD/AAAAAABkAAAAMgAAAAAAAABkAAAAAAAAAH9/fwAKAAAAIgAAABgAAAAAAAAAAAAAAAAAAAAAAAAAAAAAAAAAAAAkAAAAJAAAAAAAAAAHAAAAAAAAAAAAAAAAAAAAAAAAAAAAAAAAAAAAf39/ACUAAABYAAAAAAAAAAAAAAAAAAAAAAAAAAAAAAAAAAAAAAAAAAAAAAAAAAAAAAAAAAAAAAA/AAAAAAAAAKCGAQAAAAAAAAAAAAAAAAAMAAAAAQAAAAAAAAAAAAAAAAAAAB8AAABUAAAAAAAABQAAAAEAAAAAAAAAAAAAAAAAAAAAAAAAAAAAAAAAAAAAAAAAAAAAAAJ/f38AAAAAA8zMzADAwP8Af39/AAAAAAAAAAAAAAAAAAAAAAAAAAAAIQAAABgAAAAUAAAAwTUAABsnAABARwAAWSkAABAAAAAmAAAACAAAAAAAAAAAAAAAMAAAABQAAAAAAAAAAAD//wAAAQAAAP//AAABAA=="/>
+                <pr:smNativeData xmlns:pr="smNativeData" xmlns="smNativeData" val="SMDATA_16_zLafZxMAAAAlAAAAZAAAAA8BAAAAkAAAAEgAAACQAAAASAAAAAAAAAABAAAAAAAAAAEAAABQAAAAAAAAAAAA4D8AAAAAAADgPwAAAAAAAOA/AAAAAAAA4D8AAAAAAADgPwAAAAAAAOA/AAAAAAAA4D8AAAAAAADgPwAAAAAAAOA/AAAAAAAA4D8CAAAAjAAAAAAAAAAAAAAAu+DjDP///wgAAAAAAAAAAAAAAAAAAAAAAAAAAAAAAAAAAAAAZAAAAAEAAABAAAAAAAAAAAAAAAAAAAAAAAAAAAAAAAAAAAAAAAAAAAAAAAAAAAAAAAAAAAAAAAAAAAAAAAAAAAAAAAAAAAAAAAAAAAAAAAAAAAAAAAAAAAAAAAAAAAAAFAAAADwAAAAAAAAAAAAAAAAAAAkUAAAAAQAAABQAAAAUAAAAFAAAAAEAAAAAAAAAZAAAAGQAAAAAAAAAZAAAAGQAAAAVAAAAYAAAAAAAAAAAAAAADwAAACADAAAAAAAAAAAAAAEAAACgMgAAVgcAAKr4//8BAAAAf39/AAEAAABkAAAAAAAAABQAAABAHwAAAAAAACYAAAAAAAAAwOD//wAAAAAmAAAAZAAAABYAAABMAAAAAAAAAAAAAAAEAAAAAAAAAAEAAACAgIAKAAAAACgAAAAoAAAAZAAAAGQAAAAAAAAAzMzMAAAAAABQAAAAUAAAAGQAAABkAAAAAAAAABcAAAAUAAAAAAAAAAAAAAD/fwAA/38AAAAAAAAJAAAABAAAAAAAAAAeAAAAaAAAAAAAAAAAAAAAAAAAAAAAAAAAAAAAECcAABAnAAAAAAAAAAAAAAAAAAAAAAAAAAAAAAAAAAAAAAAAAAAAABQAAAAAAAAAwMD/AAAAAABkAAAAMgAAAAAAAABkAAAAAAAAAH9/fwAKAAAAIgAAABgAAAAAAAAAAAAAAAAAAAAAAAAAAAAAAAAAAAAkAAAAJAAAAAAAAAAHAAAAAAAAAAAAAAAAAAAAAAAAAAAAAAAAAAAAf39/ACUAAABYAAAAAAAAAAAAAAAAAAAAAAAAAAAAAAAAAAAAAAAAAAAAAAAAAAAAAAAAAAAAAAA/AAAAAAAAAKCGAQAAAAAAAAAAAAAAAAAMAAAAAQAAAAAAAAAAAAAAAAAAAB8AAABUAAAAAAAABQAAAAEAAAAAAAAAAAAAAAAAAAAAAAAAAAAAAAAAAAAAAAAAAAAAAAJ/f38AAAAAA8zMzADAwP8Af39/AAAAAAAAAAAAAAAAAAAAAAAAAAAAIQAAABgAAAAUAAAAwTUAABsnAABARwAAWSkAABAAAAAmAAAACAAAAAAAAAAAAAAAMAAAABQAAAAAAAAAAAD//wAAAQAAAP//AAABAA=="/>
               </a:ext>
             </a:extLst>
           </p:cNvSpPr>
@@ -2164,7 +2166,7 @@
           <a:lstStyle/>
           <a:p>
             <a:pPr/>
-            <a:fld id="{3D8E28D0-9ED0-DBDE-9E36-688B6678683D}" type="slidenum">
+            <a:fld id="{3FC4BCFF-B1D2-914A-9C7C-471FF2326A12}" type="slidenum">
               <a:t/>
             </a:fld>
           </a:p>
@@ -2203,7 +2205,7 @@
             <a:spLocks noGrp="1" noChangeArrowheads="1"/>
             <a:extLst>
               <a:ext uri="smNativeData">
-                <pr:smNativeData xmlns:pr="smNativeData" xmlns="smNativeData" val="SMDATA_16_oViJZxMAAAAlAAAAZAAAAA8BAAAAkAAAAEgAAACQAAAASAAAAAAAAAACAAAAAAAAAAEAAABQAAAAAAAAAAAA4D8AAAAAAADgPwAAAAAAAOA/AAAAAAAA4D8AAAAAAADgPwAAAAAAAOA/AAAAAAAA4D8AAAAAAADgPwAAAAAAAOA/AAAAAAAA4D8CAAAAjAAAAAAAAAAAAAAAu+DjDP///wgAAAAAAAAAAAAAAAAAAAAAAAAAAAAAAAAAAAAAZAAAAAEAAABAAAAAAAAAAAAAAAAAAAAAAAAAAAAAAAAAAAAAAAAAAAAAAAAAAAAAAAAAAAAAAAAAAAAAAAAAAAAAAAAAAAAAAAAAAAAAAAAAAAAAAAAAAAAAAAAAAAAAFAAAADwAAAAAAAAAAAAAAAAAAAkUAAAAAQAAABQAAAAUAAAAFAAAAAEAAAAAAAAAZAAAAGQAAAAAAAAAZAAAAGQAAAAVAAAAYAAAAAAAAAAAAAAADwAAACADAAAAAAAAAAAAAAEAAACgMgAAVgcAAKr4//8BAAAAf39/AAEAAABkAAAAAAAAABQAAABAHwAAAAAAACYAAAAAAAAAwOD//wAAAAAmAAAAZAAAABYAAABMAAAAAAAAAAAAAAAEAAAAAAAAAAEAAACAgIAKAAAAACgAAAAoAAAAZAAAAGQAAAAAAAAAzMzMAAAAAABQAAAAUAAAAGQAAABkAAAAAAAAABcAAAAUAAAAAAAAAAAAAAD/fwAA/38AAAAAAAAJAAAABAAAAAAAAAAeAAAAaAAAAAAAAAAAAAAAAAAAAAAAAAAAAAAAECcAABAnAAAAAAAAAAAAAAAAAAAAAAAAAAAAAAAAAAAAAAAAAAAAABQAAAAAAAAAwMD/AAAAAABkAAAAMgAAAAAAAABkAAAAAAAAAH9/fwAKAAAAIgAAABgAAAAAAAAAAAAAAAAAAAAAAAAAAAAAAAAAAAAkAAAAJAAAAAAAAAAHAAAAAAAAAAAAAAAAAAAAAAAAAAAAAAAAAAAAf39/ACUAAABYAAAAAAAAAAAAAAAAAAAAAAAAAAAAAAAAAAAAAAAAAAAAAAAAAAAAAAAAAAAAAAA/AAAAAAAAAKCGAQAAAAAAAAAAAAAAAAAMAAAAAQAAAAAAAAAAAAAAAAAAAB8AAABUAAAAAAAABQAAAAEAAAAAAAAAAAAAAAAAAAAAAAAAAAAAAAAAAAAAAAAAAAAAAAJ/f38AAAAAA8zMzADAwP8Af39/AAAAAAAAAAAAAAAAAAAAAAAAAAAAIQAAABgAAAAUAAAAwAMAAK4BAABtHAAA1AgAABAAAAAmAAAACAAAAIGAAAAAAAAAMAAAABQAAAAAAAAAAAD//wAAAQAAAP//AAABAA=="/>
+                <pr:smNativeData xmlns:pr="smNativeData" xmlns="smNativeData" val="SMDATA_16_zLafZxMAAAAlAAAAZAAAAA8BAAAAkAAAAEgAAACQAAAASAAAAAAAAAACAAAAAAAAAAEAAABQAAAAAAAAAAAA4D8AAAAAAADgPwAAAAAAAOA/AAAAAAAA4D8AAAAAAADgPwAAAAAAAOA/AAAAAAAA4D8AAAAAAADgPwAAAAAAAOA/AAAAAAAA4D8CAAAAjAAAAAAAAAAAAAAAu+DjDP///wgAAAAAAAAAAAAAAAAAAAAAAAAAAAAAAAAAAAAAZAAAAAEAAABAAAAAAAAAAAAAAAAAAAAAAAAAAAAAAAAAAAAAAAAAAAAAAAAAAAAAAAAAAAAAAAAAAAAAAAAAAAAAAAAAAAAAAAAAAAAAAAAAAAAAAAAAAAAAAAAAAAAAFAAAADwAAAAAAAAAAAAAAAAAAAkUAAAAAQAAABQAAAAUAAAAFAAAAAEAAAAAAAAAZAAAAGQAAAAAAAAAZAAAAGQAAAAVAAAAYAAAAAAAAAAAAAAADwAAACADAAAAAAAAAAAAAAEAAACgMgAAVgcAAKr4//8BAAAAf39/AAEAAABkAAAAAAAAABQAAABAHwAAAAAAACYAAAAAAAAAwOD//wAAAAAmAAAAZAAAABYAAABMAAAAAAAAAAAAAAAEAAAAAAAAAAEAAACAgIAKAAAAACgAAAAoAAAAZAAAAGQAAAAAAAAAzMzMAAAAAABQAAAAUAAAAGQAAABkAAAAAAAAABcAAAAUAAAAAAAAAAAAAAD/fwAA/38AAAAAAAAJAAAABAAAAAAAAAAeAAAAaAAAAAAAAAAAAAAAAAAAAAAAAAAAAAAAECcAABAnAAAAAAAAAAAAAAAAAAAAAAAAAAAAAAAAAAAAAAAAAAAAABQAAAAAAAAAwMD/AAAAAABkAAAAMgAAAAAAAABkAAAAAAAAAH9/fwAKAAAAIgAAABgAAAAAAAAAAAAAAAAAAAAAAAAAAAAAAAAAAAAkAAAAJAAAAAAAAAAHAAAAAAAAAAAAAAAAAAAAAAAAAAAAAAAAAAAAf39/ACUAAABYAAAAAAAAAAAAAAAAAAAAAAAAAAAAAAAAAAAAAAAAAAAAAAAAAAAAAAAAAAAAAAA/AAAAAAAAAKCGAQAAAAAAAAAAAAAAAAAMAAAAAQAAAAAAAAAAAAAAAAAAAB8AAABUAAAAAAAABQAAAAEAAAAAAAAAAAAAAAAAAAAAAAAAAAAAAAAAAAAAAAAAAAAAAAJ/f38AAAAAA8zMzADAwP8Af39/AAAAAAAAAAAAAAAAAAAAAAAAAAAAIQAAABgAAAAUAAAAwAMAAK4BAABtHAAA1AgAABAAAAAmAAAACAAAAIGAAAAAAAAAMAAAABQAAAAAAAAAAAD//wAAAQAAAP//AAABAA=="/>
               </a:ext>
             </a:extLst>
           </p:cNvSpPr>
@@ -2243,7 +2245,7 @@
             <a:spLocks noGrp="1" noChangeArrowheads="1"/>
             <a:extLst>
               <a:ext uri="smNativeData">
-                <pr:smNativeData xmlns:pr="smNativeData" xmlns="smNativeData" val="SMDATA_16_oViJZxMAAAAlAAAAZAAAAA8BAAAAkAAAAEgAAACQAAAASAAAAAAAAAAAAAAAAAAAAAEAAABQAAAAAAAAAAAA4D8AAAAAAADgPwAAAAAAAOA/AAAAAAAA4D8AAAAAAADgPwAAAAAAAOA/AAAAAAAA4D8AAAAAAADgPwAAAAAAAOA/AAAAAAAA4D8CAAAAjAAAAAAAAAAAAAAAu+DjDP///wgAAAAAAAAAAAAAAAAAAAAAAAAAAAAAAAAAAAAAZAAAAAEAAABAAAAAAAAAAAAAAAAAAAAAAAAAAAAAAAAAAAAAAAAAAAAAAAAAAAAAAAAAAAAAAAAAAAAAAAAAAAAAAAAAAAAAAAAAAAAAAAAAAAAAAAAAAAAAAAAAAAAAFAAAADwAAAAAAAAAAAAAAAAAAAkUAAAAAQAAABQAAAAUAAAAFAAAAAEAAAAAAAAAZAAAAGQAAAAAAAAAZAAAAGQAAAAVAAAAYAAAAAAAAAAAAAAADwAAACADAAAAAAAAAAAAAAEAAACgMgAAVgcAAKr4//8BAAAAf39/AAEAAABkAAAAAAAAABQAAABAHwAAAAAAACYAAAAAAAAAwOD//wAAAAAmAAAAZAAAABYAAABMAAAAAAAAAAAAAAAEAAAAAAAAAAEAAACAgIAKAAAAACgAAAAoAAAAZAAAAGQAAAAAAAAAzMzMAAAAAABQAAAAUAAAAGQAAABkAAAAAAAAABcAAAAUAAAAAAAAAAAAAAD/fwAA/38AAAAAAAAJAAAABAAAAAAAAAAeAAAAaAAAAAAAAAAAAAAAAAAAAAAAAAAAAAAAECcAABAnAAAAAAAAAAAAAAAAAAAAAAAAAAAAAAAAAAAAAAAAAAAAABQAAAAAAAAAwMD/AAAAAABkAAAAMgAAAAAAAABkAAAAAAAAAH9/fwAKAAAAIgAAABgAAAAAAAAAAAAAAAAAAAAAAAAAAAAAAAAAAAAkAAAAJAAAAAAAAAAHAAAAAAAAAAAAAAAAAAAAAAAAAAAAAAAAAAAAf39/ACUAAABYAAAAAAAAAAAAAAAAAAAAAAAAAAAAAAAAAAAAAAAAAAAAAAAAAAAAAAAAAAAAAAA/AAAAAAAAAKCGAQAAAAAAAAAAAAAAAAAMAAAAAQAAAAAAAAAAAAAAAAAAAB8AAABUAAAAAAAABQAAAAEAAAAAAAAAAAAAAAAAAAAAAAAAAAAAAAAAAAAAAAAAAAAAAAJ/f38AAAAAA8zMzADAwP8Af39/AAAAAAAAAAAAAAAAAAAAAAAAAAAAIQAAABgAAAAUAAAAUx0AAK4BAABARwAAsCUAABAAAAAmAAAACAAAAAGAAAAAAAAAMAAAABQAAAAAAAAAAAD//wAAAQAAAP//AAABAA=="/>
+                <pr:smNativeData xmlns:pr="smNativeData" xmlns="smNativeData" val="SMDATA_16_zLafZxMAAAAlAAAAZAAAAA8BAAAAkAAAAEgAAACQAAAASAAAAAAAAAAAAAAAAAAAAAEAAABQAAAAAAAAAAAA4D8AAAAAAADgPwAAAAAAAOA/AAAAAAAA4D8AAAAAAADgPwAAAAAAAOA/AAAAAAAA4D8AAAAAAADgPwAAAAAAAOA/AAAAAAAA4D8CAAAAjAAAAAAAAAAAAAAAu+DjDP///wgAAAAAAAAAAAAAAAAAAAAAAAAAAAAAAAAAAAAAZAAAAAEAAABAAAAAAAAAAAAAAAAAAAAAAAAAAAAAAAAAAAAAAAAAAAAAAAAAAAAAAAAAAAAAAAAAAAAAAAAAAAAAAAAAAAAAAAAAAAAAAAAAAAAAAAAAAAAAAAAAAAAAFAAAADwAAAAAAAAAAAAAAAAAAAkUAAAAAQAAABQAAAAUAAAAFAAAAAEAAAAAAAAAZAAAAGQAAAAAAAAAZAAAAGQAAAAVAAAAYAAAAAAAAAAAAAAADwAAACADAAAAAAAAAAAAAAEAAACgMgAAVgcAAKr4//8BAAAAf39/AAEAAABkAAAAAAAAABQAAABAHwAAAAAAACYAAAAAAAAAwOD//wAAAAAmAAAAZAAAABYAAABMAAAAAAAAAAAAAAAEAAAAAAAAAAEAAACAgIAKAAAAACgAAAAoAAAAZAAAAGQAAAAAAAAAzMzMAAAAAABQAAAAUAAAAGQAAABkAAAAAAAAABcAAAAUAAAAAAAAAAAAAAD/fwAA/38AAAAAAAAJAAAABAAAAAAAAAAeAAAAaAAAAAAAAAAAAAAAAAAAAAAAAAAAAAAAECcAABAnAAAAAAAAAAAAAAAAAAAAAAAAAAAAAAAAAAAAAAAAAAAAABQAAAAAAAAAwMD/AAAAAABkAAAAMgAAAAAAAABkAAAAAAAAAH9/fwAKAAAAIgAAABgAAAAAAAAAAAAAAAAAAAAAAAAAAAAAAAAAAAAkAAAAJAAAAAAAAAAHAAAAAAAAAAAAAAAAAAAAAAAAAAAAAAAAAAAAf39/ACUAAABYAAAAAAAAAAAAAAAAAAAAAAAAAAAAAAAAAAAAAAAAAAAAAAAAAAAAAAAAAAAAAAA/AAAAAAAAAKCGAQAAAAAAAAAAAAAAAAAMAAAAAQAAAAAAAAAAAAAAAAAAAB8AAABUAAAAAAAABQAAAAEAAAAAAAAAAAAAAAAAAAAAAAAAAAAAAAAAAAAAAAAAAAAAAAJ/f38AAAAAA8zMzADAwP8Af39/AAAAAAAAAAAAAAAAAAAAAAAAAAAAIQAAABgAAAAUAAAAUx0AAK4BAABARwAAsCUAABAAAAAmAAAACAAAAAGAAAAAAAAAMAAAABQAAAAAAAAAAAD//wAAAQAAAP//AAABAA=="/>
               </a:ext>
             </a:extLst>
           </p:cNvSpPr>
@@ -2327,7 +2329,7 @@
             <a:spLocks noGrp="1" noChangeArrowheads="1"/>
             <a:extLst>
               <a:ext uri="smNativeData">
-                <pr:smNativeData xmlns:pr="smNativeData" xmlns="smNativeData" val="SMDATA_16_oViJZxMAAAAlAAAAZAAAAA8BAAAAkAAAAEgAAACQAAAASAAAAAAAAAAAAAAAAAAAAAEAAABQAAAAAAAAAAAA4D8AAAAAAADgPwAAAAAAAOA/AAAAAAAA4D8AAAAAAADgPwAAAAAAAOA/AAAAAAAA4D8AAAAAAADgPwAAAAAAAOA/AAAAAAAA4D8CAAAAjAAAAAAAAAAAAAAAu+DjDP///wgAAAAAAAAAAAAAAAAAAAAAAAAAAAAAAAAAAAAAZAAAAAEAAABAAAAAAAAAAAAAAAAAAAAAAAAAAAAAAAAAAAAAAAAAAAAAAAAAAAAAAAAAAAAAAAAAAAAAAAAAAAAAAAAAAAAAAAAAAAAAAAAAAAAAAAAAAAAAAAAAAAAAFAAAADwAAAAAAAAAAAAAAAAAAAkUAAAAAQAAABQAAAAUAAAAFAAAAAEAAAAAAAAAZAAAAGQAAAAAAAAAZAAAAGQAAAAVAAAAYAAAAAAAAAAAAAAADwAAACADAAAAAAAAAAAAAAEAAACgMgAAVgcAAKr4//8BAAAAf39/AAEAAABkAAAAAAAAABQAAABAHwAAAAAAACYAAAAAAAAAwOD//wAAAAAmAAAAZAAAABYAAABMAAAAAAAAAAAAAAAEAAAAAAAAAAEAAACAgIAKAAAAACgAAAAoAAAAZAAAAGQAAAAAAAAAzMzMAAAAAABQAAAAUAAAAGQAAABkAAAAAAAAABcAAAAUAAAAAAAAAAAAAAD/fwAA/38AAAAAAAAJAAAABAAAAAAAAAAeAAAAaAAAAAAAAAAAAAAAAAAAAAAAAAAAAAAAECcAABAnAAAAAAAAAAAAAAAAAAAAAAAAAAAAAAAAAAAAAAAAAAAAABQAAAAAAAAAwMD/AAAAAABkAAAAMgAAAAAAAABkAAAAAAAAAH9/fwAKAAAAIgAAABgAAAAAAAAAAAAAAAAAAAAAAAAAAAAAAAAAAAAkAAAAJAAAAAAAAAAHAAAAAAAAAAAAAAAAAAAAAAAAAAAAAAAAAAAAf39/ACUAAABYAAAAAAAAAAAAAAAAAAAAAAAAAAAAAAAAAAAAAAAAAAAAAAAAAAAAAAAAAAAAAAA/AAAAAAAAAKCGAQAAAAAAAAAAAAAAAAAMAAAAAQAAAAAAAAAAAAAAAAAAAB8AAABUAAAAAAAABQAAAAEAAAAAAAAAAAAAAAAAAAAAAAAAAAAAAAAAAAAAAAAAAAAAAAJ/f38AAAAAA8zMzADAwP8Af39/AAAAAAAAAAAAAAAAAAAAAAAAAAAAIQAAABgAAAAUAAAAwAMAANQIAABtHAAAsCUAABAAAAAmAAAACAAAAAGAAAAAAAAAMAAAABQAAAAAAAAAAAD//wAAAQAAAP//AAABAA=="/>
+                <pr:smNativeData xmlns:pr="smNativeData" xmlns="smNativeData" val="SMDATA_16_zLafZxMAAAAlAAAAZAAAAA8BAAAAkAAAAEgAAACQAAAASAAAAAAAAAAAAAAAAAAAAAEAAABQAAAAAAAAAAAA4D8AAAAAAADgPwAAAAAAAOA/AAAAAAAA4D8AAAAAAADgPwAAAAAAAOA/AAAAAAAA4D8AAAAAAADgPwAAAAAAAOA/AAAAAAAA4D8CAAAAjAAAAAAAAAAAAAAAu+DjDP///wgAAAAAAAAAAAAAAAAAAAAAAAAAAAAAAAAAAAAAZAAAAAEAAABAAAAAAAAAAAAAAAAAAAAAAAAAAAAAAAAAAAAAAAAAAAAAAAAAAAAAAAAAAAAAAAAAAAAAAAAAAAAAAAAAAAAAAAAAAAAAAAAAAAAAAAAAAAAAAAAAAAAAFAAAADwAAAAAAAAAAAAAAAAAAAkUAAAAAQAAABQAAAAUAAAAFAAAAAEAAAAAAAAAZAAAAGQAAAAAAAAAZAAAAGQAAAAVAAAAYAAAAAAAAAAAAAAADwAAACADAAAAAAAAAAAAAAEAAACgMgAAVgcAAKr4//8BAAAAf39/AAEAAABkAAAAAAAAABQAAABAHwAAAAAAACYAAAAAAAAAwOD//wAAAAAmAAAAZAAAABYAAABMAAAAAAAAAAAAAAAEAAAAAAAAAAEAAACAgIAKAAAAACgAAAAoAAAAZAAAAGQAAAAAAAAAzMzMAAAAAABQAAAAUAAAAGQAAABkAAAAAAAAABcAAAAUAAAAAAAAAAAAAAD/fwAA/38AAAAAAAAJAAAABAAAAAAAAAAeAAAAaAAAAAAAAAAAAAAAAAAAAAAAAAAAAAAAECcAABAnAAAAAAAAAAAAAAAAAAAAAAAAAAAAAAAAAAAAAAAAAAAAABQAAAAAAAAAwMD/AAAAAABkAAAAMgAAAAAAAABkAAAAAAAAAH9/fwAKAAAAIgAAABgAAAAAAAAAAAAAAAAAAAAAAAAAAAAAAAAAAAAkAAAAJAAAAAAAAAAHAAAAAAAAAAAAAAAAAAAAAAAAAAAAAAAAAAAAf39/ACUAAABYAAAAAAAAAAAAAAAAAAAAAAAAAAAAAAAAAAAAAAAAAAAAAAAAAAAAAAAAAAAAAAA/AAAAAAAAAKCGAQAAAAAAAAAAAAAAAAAMAAAAAQAAAAAAAAAAAAAAAAAAAB8AAABUAAAAAAAABQAAAAEAAAAAAAAAAAAAAAAAAAAAAAAAAAAAAAAAAAAAAAAAAAAAAAJ/f38AAAAAA8zMzADAwP8Af39/AAAAAAAAAAAAAAAAAAAAAAAAAAAAIQAAABgAAAAUAAAAwAMAANQIAABtHAAAsCUAABAAAAAmAAAACAAAAAGAAAAAAAAAMAAAABQAAAAAAAAAAAD//wAAAQAAAP//AAABAA=="/>
               </a:ext>
             </a:extLst>
           </p:cNvSpPr>
@@ -2396,7 +2398,7 @@
             <a:spLocks noGrp="1" noChangeArrowheads="1"/>
             <a:extLst>
               <a:ext uri="smNativeData">
-                <pr:smNativeData xmlns:pr="smNativeData" xmlns="smNativeData" val="SMDATA_16_oViJZxMAAAAlAAAAZAAAAA8BAAAAkAAAAEgAAACQAAAASAAAAAAAAAABAAAAAAAAAAEAAABQAAAAAAAAAAAA4D8AAAAAAADgPwAAAAAAAOA/AAAAAAAA4D8AAAAAAADgPwAAAAAAAOA/AAAAAAAA4D8AAAAAAADgPwAAAAAAAOA/AAAAAAAA4D8CAAAAjAAAAAAAAAAAAAAAu+DjDP///wgAAAAAAAAAAAAAAAAAAAAAAAAAAAAAAAAAAAAAZAAAAAEAAABAAAAAAAAAAAAAAAAAAAAAAAAAAAAAAAAAAAAAAAAAAAAAAAAAAAAAAAAAAAAAAAAAAAAAAAAAAAAAAAAAAAAAAAAAAAAAAAAAAAAAAAAAAAAAAAAAAAAAFAAAADwAAAAAAAAAAAAAAAAAAAkUAAAAAQAAABQAAAAUAAAAFAAAAAEAAAAAAAAAZAAAAGQAAAAAAAAAZAAAAGQAAAAVAAAAYAAAAAAAAAAAAAAADwAAACADAAAAAAAAAAAAAAEAAACgMgAAVgcAAKr4//8BAAAAf39/AAEAAABkAAAAAAAAABQAAABAHwAAAAAAACYAAAAAAAAAwOD//wAAAAAmAAAAZAAAABYAAABMAAAAAAAAAAAAAAAEAAAAAAAAAAEAAACAgIAKAAAAACgAAAAoAAAAZAAAAGQAAAAAAAAAzMzMAAAAAABQAAAAUAAAAGQAAABkAAAAAAAAABcAAAAUAAAAAAAAAAAAAAD/fwAA/38AAAAAAAAJAAAABAAAAAAAAAAeAAAAaAAAAAAAAAAAAAAAAAAAAAAAAAAAAAAAECcAABAnAAAAAAAAAAAAAAAAAAAAAAAAAAAAAAAAAAAAAAAAAAAAABQAAAAAAAAAwMD/AAAAAABkAAAAMgAAAAAAAABkAAAAAAAAAH9/fwAKAAAAIgAAABgAAAAAAAAAAAAAAAAAAAAAAAAAAAAAAAAAAAAkAAAAJAAAAAAAAAAHAAAAAAAAAAAAAAAAAAAAAAAAAAAAAAAAAAAAf39/ACUAAABYAAAAAAAAAAAAAAAAAAAAAAAAAAAAAAAAAAAAAAAAAAAAAAAAAAAAAAAAAAAAAAA/AAAAAAAAAKCGAQAAAAAAAAAAAAAAAAAMAAAAAQAAAAAAAAAAAAAAAAAAAB8AAABUAAAAAAAABQAAAAEAAAAAAAAAAAAAAAAAAAAAAAAAAAAAAAAAAAAAAAAAAAAAAAJ/f38AAAAAA8zMzADAwP8Af39/AAAAAAAAAAAAAAAAAAAAAAAAAAAAIQAAABgAAAAUAAAAwAMAABsnAAA/FQAAWSkAABAAAAAmAAAACAAAAAAAAAAAAAAAMAAAABQAAAAAAAAAAAD//wAAAQAAAP//AAABAA=="/>
+                <pr:smNativeData xmlns:pr="smNativeData" xmlns="smNativeData" val="SMDATA_16_zLafZxMAAAAlAAAAZAAAAA8BAAAAkAAAAEgAAACQAAAASAAAAAAAAAABAAAAAAAAAAEAAABQAAAAAAAAAAAA4D8AAAAAAADgPwAAAAAAAOA/AAAAAAAA4D8AAAAAAADgPwAAAAAAAOA/AAAAAAAA4D8AAAAAAADgPwAAAAAAAOA/AAAAAAAA4D8CAAAAjAAAAAAAAAAAAAAAu+DjDP///wgAAAAAAAAAAAAAAAAAAAAAAAAAAAAAAAAAAAAAZAAAAAEAAABAAAAAAAAAAAAAAAAAAAAAAAAAAAAAAAAAAAAAAAAAAAAAAAAAAAAAAAAAAAAAAAAAAAAAAAAAAAAAAAAAAAAAAAAAAAAAAAAAAAAAAAAAAAAAAAAAAAAAFAAAADwAAAAAAAAAAAAAAAAAAAkUAAAAAQAAABQAAAAUAAAAFAAAAAEAAAAAAAAAZAAAAGQAAAAAAAAAZAAAAGQAAAAVAAAAYAAAAAAAAAAAAAAADwAAACADAAAAAAAAAAAAAAEAAACgMgAAVgcAAKr4//8BAAAAf39/AAEAAABkAAAAAAAAABQAAABAHwAAAAAAACYAAAAAAAAAwOD//wAAAAAmAAAAZAAAABYAAABMAAAAAAAAAAAAAAAEAAAAAAAAAAEAAACAgIAKAAAAACgAAAAoAAAAZAAAAGQAAAAAAAAAzMzMAAAAAABQAAAAUAAAAGQAAABkAAAAAAAAABcAAAAUAAAAAAAAAAAAAAD/fwAA/38AAAAAAAAJAAAABAAAAAAAAAAeAAAAaAAAAAAAAAAAAAAAAAAAAAAAAAAAAAAAECcAABAnAAAAAAAAAAAAAAAAAAAAAAAAAAAAAAAAAAAAAAAAAAAAABQAAAAAAAAAwMD/AAAAAABkAAAAMgAAAAAAAABkAAAAAAAAAH9/fwAKAAAAIgAAABgAAAAAAAAAAAAAAAAAAAAAAAAAAAAAAAAAAAAkAAAAJAAAAAAAAAAHAAAAAAAAAAAAAAAAAAAAAAAAAAAAAAAAAAAAf39/ACUAAABYAAAAAAAAAAAAAAAAAAAAAAAAAAAAAAAAAAAAAAAAAAAAAAAAAAAAAAAAAAAAAAA/AAAAAAAAAKCGAQAAAAAAAAAAAAAAAAAMAAAAAQAAAAAAAAAAAAAAAAAAAB8AAABUAAAAAAAABQAAAAEAAAAAAAAAAAAAAAAAAAAAAAAAAAAAAAAAAAAAAAAAAAAAAAJ/f38AAAAAA8zMzADAwP8Af39/AAAAAAAAAAAAAAAAAAAAAAAAAAAAIQAAABgAAAAUAAAAwAMAABsnAAA/FQAAWSkAABAAAAAmAAAACAAAAAAAAAAAAAAAMAAAABQAAAAAAAAAAAD//wAAAQAAAP//AAABAA=="/>
               </a:ext>
             </a:extLst>
           </p:cNvSpPr>
@@ -2410,7 +2412,7 @@
           <a:lstStyle/>
           <a:p>
             <a:pPr/>
-            <a:fld id="{3D8E203D-73D0-DBD6-9E36-85836E7868D0}" type="datetime1">
+            <a:fld id="{3FC4F442-0CD2-9102-9C7C-FA57BA326AAF}" type="datetime1">
               <a:t/>
             </a:fld>
           </a:p>
@@ -2423,7 +2425,7 @@
             <a:spLocks noGrp="1" noChangeArrowheads="1"/>
             <a:extLst>
               <a:ext uri="smNativeData">
-                <pr:smNativeData xmlns:pr="smNativeData" xmlns="smNativeData" val="SMDATA_16_oViJZxMAAAAlAAAAZAAAAA8BAAAAkAAAAEgAAACQAAAASAAAAAAAAAABAAAAAAAAAAEAAABQAAAAAAAAAAAA4D8AAAAAAADgPwAAAAAAAOA/AAAAAAAA4D8AAAAAAADgPwAAAAAAAOA/AAAAAAAA4D8AAAAAAADgPwAAAAAAAOA/AAAAAAAA4D8CAAAAjAAAAAAAAAAAAAAAu+DjDP///wgAAAAAAAAAAAAAAAAAAAAAAAAAAAAAAAAAAAAAZAAAAAEAAABAAAAAAAAAAAAAAAAAAAAAAAAAAAAAAAAAAAAAAAAAAAAAAAAAAAAAAAAAAAAAAAAAAAAAAAAAAAAAAAAAAAAAAAAAAAAAAAAAAAAAAAAAAAAAAAAAAAAAFAAAADwAAAAAAAAAAAAAAAAAAAkUAAAAAQAAABQAAAAUAAAAFAAAAAEAAAAAAAAAZAAAAGQAAAAAAAAAZAAAAGQAAAAVAAAAYAAAAAAAAAAAAAAADwAAACADAAAAAAAAAAAAAAEAAACgMgAAVgcAAKr4//8BAAAAf39/AAEAAABkAAAAAAAAABQAAABAHwAAAAAAACYAAAAAAAAAwOD//wAAAAAmAAAAZAAAABYAAABMAAAAAAAAAAAAAAAEAAAAAAAAAAEAAACAgIAKAAAAACgAAAAoAAAAZAAAAGQAAAAAAAAAzMzMAAAAAABQAAAAUAAAAGQAAABkAAAAAAAAABcAAAAUAAAAAAAAAAAAAAD/fwAA/38AAAAAAAAJAAAABAAAAHNwY0IeAAAAaAAAAAAAAAAAAAAAAAAAAAAAAAAAAAAAECcAABAnAAAAAAAAAAAAAAAAAAAAAAAAAAAAAAAAAAAAAAAAAAAAABQAAAAAAAAAwMD/AAAAAABkAAAAMgAAAAAAAABkAAAAAAAAAH9/fwAKAAAAIgAAABgAAAAAAAAAAAAAAAAAAAAAAAAAAAAAAAAAAAAkAAAAJAAAAAAAAAAHAAAAAAAAAAAAAAAAAAAAAAAAAAAAAAAAAAAAf39/ACUAAABYAAAAAAAAAAAAAAAAAAAAAAAAAAAAAAAAAAAAAAAAAAAAAAAAAAAAAAAAAAAAAAA/AAAAAAAAAKCGAQAAAAAAAAAAAAAAAAAMAAAAAQAAAAAAAAAAAAAAAAAAAB8AAABUAAAAAAAABQAAAAEAAAAAAAAAAAAAAAAAAAAAAAAAAAAAAAAAAAAAAAAAAAAAAAJ/f38AAAAAA8zMzADAwP8Af39/AAAAAAAAAAAAAAAAAAAAAAAAAAAAIQAAABgAAAAUAAAAoRkAABsnAABfMQAAWSkAABAAAAAmAAAACAAAAAAAAAAAAAAAMAAAABQAAAAAAAAAAAD//wAAAQAAAP//AAABAA=="/>
+                <pr:smNativeData xmlns:pr="smNativeData" xmlns="smNativeData" val="SMDATA_16_zLafZxMAAAAlAAAAZAAAAA8BAAAAkAAAAEgAAACQAAAASAAAAAAAAAABAAAAAAAAAAEAAABQAAAAAAAAAAAA4D8AAAAAAADgPwAAAAAAAOA/AAAAAAAA4D8AAAAAAADgPwAAAAAAAOA/AAAAAAAA4D8AAAAAAADgPwAAAAAAAOA/AAAAAAAA4D8CAAAAjAAAAAAAAAAAAAAAu+DjDP///wgAAAAAAAAAAAAAAAAAAAAAAAAAAAAAAAAAAAAAZAAAAAEAAABAAAAAAAAAAAAAAAAAAAAAAAAAAAAAAAAAAAAAAAAAAAAAAAAAAAAAAAAAAAAAAAAAAAAAAAAAAAAAAAAAAAAAAAAAAAAAAAAAAAAAAAAAAAAAAAAAAAAAFAAAADwAAAAAAAAAAAAAAAAAAAkUAAAAAQAAABQAAAAUAAAAFAAAAAEAAAAAAAAAZAAAAGQAAAAAAAAAZAAAAGQAAAAVAAAAYAAAAAAAAAAAAAAADwAAACADAAAAAAAAAAAAAAEAAACgMgAAVgcAAKr4//8BAAAAf39/AAEAAABkAAAAAAAAABQAAABAHwAAAAAAACYAAAAAAAAAwOD//wAAAAAmAAAAZAAAABYAAABMAAAAAAAAAAAAAAAEAAAAAAAAAAEAAACAgIAKAAAAACgAAAAoAAAAZAAAAGQAAAAAAAAAzMzMAAAAAABQAAAAUAAAAGQAAABkAAAAAAAAABcAAAAUAAAAAAAAAAAAAAD/fwAA/38AAAAAAAAJAAAABAAAAHNwY0IeAAAAaAAAAAAAAAAAAAAAAAAAAAAAAAAAAAAAECcAABAnAAAAAAAAAAAAAAAAAAAAAAAAAAAAAAAAAAAAAAAAAAAAABQAAAAAAAAAwMD/AAAAAABkAAAAMgAAAAAAAABkAAAAAAAAAH9/fwAKAAAAIgAAABgAAAAAAAAAAAAAAAAAAAAAAAAAAAAAAAAAAAAkAAAAJAAAAAAAAAAHAAAAAAAAAAAAAAAAAAAAAAAAAAAAAAAAAAAAf39/ACUAAABYAAAAAAAAAAAAAAAAAAAAAAAAAAAAAAAAAAAAAAAAAAAAAAAAAAAAAAAAAAAAAAA/AAAAAAAAAKCGAQAAAAAAAAAAAAAAAAAMAAAAAQAAAAAAAAAAAAAAAAAAAB8AAABUAAAAAAAABQAAAAEAAAAAAAAAAAAAAAAAAAAAAAAAAAAAAAAAAAAAAAAAAAAAAAJ/f38AAAAAA8zMzADAwP8Af39/AAAAAAAAAAAAAAAAAAAAAAAAAAAAIQAAABgAAAAUAAAAoRkAABsnAABfMQAAWSkAABAAAAAmAAAACAAAAAAAAAAAAAAAMAAAABQAAAAAAAAAAAD//wAAAQAAAP//AAABAA=="/>
               </a:ext>
             </a:extLst>
           </p:cNvSpPr>
@@ -2447,7 +2449,7 @@
             <a:spLocks noGrp="1" noChangeArrowheads="1"/>
             <a:extLst>
               <a:ext uri="smNativeData">
-                <pr:smNativeData xmlns:pr="smNativeData" xmlns="smNativeData" val="SMDATA_16_oViJZxMAAAAlAAAAZAAAAA8BAAAAkAAAAEgAAACQAAAASAAAAAAAAAABAAAAAAAAAAEAAABQAAAAAAAAAAAA4D8AAAAAAADgPwAAAAAAAOA/AAAAAAAA4D8AAAAAAADgPwAAAAAAAOA/AAAAAAAA4D8AAAAAAADgPwAAAAAAAOA/AAAAAAAA4D8CAAAAjAAAAAAAAAAAAAAAu+DjDP///wgAAAAAAAAAAAAAAAAAAAAAAAAAAAAAAAAAAAAAZAAAAAEAAABAAAAAAAAAAAAAAAAAAAAAAAAAAAAAAAAAAAAAAAAAAAAAAAAAAAAAAAAAAAAAAAAAAAAAAAAAAAAAAAAAAAAAAAAAAAAAAAAAAAAAAAAAAAAAAAAAAAAAFAAAADwAAAAAAAAAAAAAAAAAAAkUAAAAAQAAABQAAAAUAAAAFAAAAAEAAAAAAAAAZAAAAGQAAAAAAAAAZAAAAGQAAAAVAAAAYAAAAAAAAAAAAAAADwAAACADAAAAAAAAAAAAAAEAAACgMgAAVgcAAKr4//8BAAAAf39/AAEAAABkAAAAAAAAABQAAABAHwAAAAAAACYAAAAAAAAAwOD//wAAAAAmAAAAZAAAABYAAABMAAAAAAAAAAAAAAAEAAAAAAAAAAEAAACAgIAKAAAAACgAAAAoAAAAZAAAAGQAAAAAAAAAzMzMAAAAAABQAAAAUAAAAGQAAABkAAAAAAAAABcAAAAUAAAAAAAAAAAAAAD/fwAA/38AAAAAAAAJAAAABAAAAAAAAAAeAAAAaAAAAAAAAAAAAAAAAAAAAAAAAAAAAAAAECcAABAnAAAAAAAAAAAAAAAAAAAAAAAAAAAAAAAAAAAAAAAAAAAAABQAAAAAAAAAwMD/AAAAAABkAAAAMgAAAAAAAABkAAAAAAAAAH9/fwAKAAAAIgAAABgAAAAAAAAAAAAAAAAAAAAAAAAAAAAAAAAAAAAkAAAAJAAAAAAAAAAHAAAAAAAAAAAAAAAAAAAAAAAAAAAAAAAAAAAAf39/ACUAAABYAAAAAAAAAAAAAAAAAAAAAAAAAAAAAAAAAAAAAAAAAAAAAAAAAAAAAAAAAAAAAAA/AAAAAAAAAKCGAQAAAAAAAAAAAAAAAAAMAAAAAQAAAAAAAAAAAAAAAAAAAB8AAABUAAAAAAAABQAAAAEAAAAAAAAAAAAAAAAAAAAAAAAAAAAAAAAAAAAAAAAAAAAAAAJ/f38AAAAAA8zMzADAwP8Af39/AAAAAAAAAAAAAAAAAAAAAAAAAAAAIQAAABgAAAAUAAAAwTUAABsnAABARwAAWSkAABAAAAAmAAAACAAAAAAAAAAAAAAAMAAAABQAAAAAAAAAAAD//wAAAQAAAP//AAABAA=="/>
+                <pr:smNativeData xmlns:pr="smNativeData" xmlns="smNativeData" val="SMDATA_16_zLafZxMAAAAlAAAAZAAAAA8BAAAAkAAAAEgAAACQAAAASAAAAAAAAAABAAAAAAAAAAEAAABQAAAAAAAAAAAA4D8AAAAAAADgPwAAAAAAAOA/AAAAAAAA4D8AAAAAAADgPwAAAAAAAOA/AAAAAAAA4D8AAAAAAADgPwAAAAAAAOA/AAAAAAAA4D8CAAAAjAAAAAAAAAAAAAAAu+DjDP///wgAAAAAAAAAAAAAAAAAAAAAAAAAAAAAAAAAAAAAZAAAAAEAAABAAAAAAAAAAAAAAAAAAAAAAAAAAAAAAAAAAAAAAAAAAAAAAAAAAAAAAAAAAAAAAAAAAAAAAAAAAAAAAAAAAAAAAAAAAAAAAAAAAAAAAAAAAAAAAAAAAAAAFAAAADwAAAAAAAAAAAAAAAAAAAkUAAAAAQAAABQAAAAUAAAAFAAAAAEAAAAAAAAAZAAAAGQAAAAAAAAAZAAAAGQAAAAVAAAAYAAAAAAAAAAAAAAADwAAACADAAAAAAAAAAAAAAEAAACgMgAAVgcAAKr4//8BAAAAf39/AAEAAABkAAAAAAAAABQAAABAHwAAAAAAACYAAAAAAAAAwOD//wAAAAAmAAAAZAAAABYAAABMAAAAAAAAAAAAAAAEAAAAAAAAAAEAAACAgIAKAAAAACgAAAAoAAAAZAAAAGQAAAAAAAAAzMzMAAAAAABQAAAAUAAAAGQAAABkAAAAAAAAABcAAAAUAAAAAAAAAAAAAAD/fwAA/38AAAAAAAAJAAAABAAAAAAAAAAeAAAAaAAAAAAAAAAAAAAAAAAAAAAAAAAAAAAAECcAABAnAAAAAAAAAAAAAAAAAAAAAAAAAAAAAAAAAAAAAAAAAAAAABQAAAAAAAAAwMD/AAAAAABkAAAAMgAAAAAAAABkAAAAAAAAAH9/fwAKAAAAIgAAABgAAAAAAAAAAAAAAAAAAAAAAAAAAAAAAAAAAAAkAAAAJAAAAAAAAAAHAAAAAAAAAAAAAAAAAAAAAAAAAAAAAAAAAAAAf39/ACUAAABYAAAAAAAAAAAAAAAAAAAAAAAAAAAAAAAAAAAAAAAAAAAAAAAAAAAAAAAAAAAAAAA/AAAAAAAAAKCGAQAAAAAAAAAAAAAAAAAMAAAAAQAAAAAAAAAAAAAAAAAAAB8AAABUAAAAAAAABQAAAAEAAAAAAAAAAAAAAAAAAAAAAAAAAAAAAAAAAAAAAAAAAAAAAAJ/f38AAAAAA8zMzADAwP8Af39/AAAAAAAAAAAAAAAAAAAAAAAAAAAAIQAAABgAAAAUAAAAwTUAABsnAABARwAAWSkAABAAAAAmAAAACAAAAAAAAAAAAAAAMAAAABQAAAAAAAAAAAD//wAAAQAAAP//AAABAA=="/>
               </a:ext>
             </a:extLst>
           </p:cNvSpPr>
@@ -2461,7 +2463,7 @@
           <a:lstStyle/>
           <a:p>
             <a:pPr/>
-            <a:fld id="{3D8E3E95-DBD0-DBC8-9E36-2D9D70786878}" type="slidenum">
+            <a:fld id="{3FC4D188-C6D2-9127-9C7C-30729F326A65}" type="slidenum">
               <a:t/>
             </a:fld>
           </a:p>
@@ -2500,7 +2502,7 @@
             <a:spLocks noGrp="1" noChangeArrowheads="1"/>
             <a:extLst>
               <a:ext uri="smNativeData">
-                <pr:smNativeData xmlns:pr="smNativeData" xmlns="smNativeData" val="SMDATA_16_oViJZxMAAAAlAAAAZAAAAA8BAAAAkAAAAEgAAACQAAAASAAAAAAAAAACAAAAAAAAAAEAAABQAAAAAAAAAAAA4D8AAAAAAADgPwAAAAAAAOA/AAAAAAAA4D8AAAAAAADgPwAAAAAAAOA/AAAAAAAA4D8AAAAAAADgPwAAAAAAAOA/AAAAAAAA4D8CAAAAjAAAAAAAAAAAAAAAu+DjDP///wgAAAAAAAAAAAAAAAAAAAAAAAAAAAAAAAAAAAAAZAAAAAEAAABAAAAAAAAAAAAAAAAAAAAAAAAAAAAAAAAAAAAAAAAAAAAAAAAAAAAAAAAAAAAAAAAAAAAAAAAAAAAAAAAAAAAAAAAAAAAAAAAAAAAAAAAAAAAAAAAAAAAAFAAAADwAAAAAAAAAAAAAAAAAAAkUAAAAAQAAABQAAAAUAAAAFAAAAAEAAAAAAAAAZAAAAGQAAAAAAAAAZAAAAGQAAAAVAAAAYAAAAAAAAAAAAAAADwAAACADAAAAAAAAAAAAAAEAAACgMgAAVgcAAKr4//8BAAAAf39/AAEAAABkAAAAAAAAABQAAABAHwAAAAAAACYAAAAAAAAAwOD//wAAAAAmAAAAZAAAABYAAABMAAAAAAAAAAAAAAAEAAAAAAAAAAEAAACAgIAKAAAAACgAAAAoAAAAZAAAAGQAAAAAAAAAzMzMAAAAAABQAAAAUAAAAGQAAABkAAAAAAAAABcAAAAUAAAAAAAAAAAAAAD/fwAA/38AAAAAAAAJAAAABAAAAAAAAAAeAAAAaAAAAAAAAAAAAAAAAAAAAAAAAAAAAAAAECcAABAnAAAAAAAAAAAAAAAAAAAAAAAAAAAAAAAAAAAAAAAAAAAAABQAAAAAAAAAwMD/AAAAAABkAAAAMgAAAAAAAABkAAAAAAAAAH9/fwAKAAAAIgAAABgAAAAAAAAAAAAAAAAAAAAAAAAAAAAAAAAAAAAkAAAAJAAAAAAAAAAHAAAAAAAAAAAAAAAAAAAAAAAAAAAAAAAAAAAAf39/ACUAAABYAAAAAAAAAAAAAAAAAAAAAAAAAAAAAAAAAAAAAAAAAAAAAAAAAAAAAAAAAAAAAAA/AAAAAAAAAKCGAQAAAAAAAAAAAAAAAAAMAAAAAQAAAAAAAAAAAAAAAAAAAB8AAABUAAAAAAAABQAAAAEAAAAAAAAAAAAAAAAAAAAAAAAAAAAAAAAAAAAAAAAAAAAAAAJ/f38AAAAAA8zMzADAwP8Af39/AAAAAAAAAAAAAAAAAAAAAAAAAAAAIQAAABgAAAAUAAAAsw4AAIgdAACzOwAABCEAABAAAAAmAAAACAAAAIGAAAAAAAAAMAAAABQAAAAAAAAAAAD//wAAAQAAAP//AAABAA=="/>
+                <pr:smNativeData xmlns:pr="smNativeData" xmlns="smNativeData" val="SMDATA_16_zLafZxMAAAAlAAAAZAAAAA8BAAAAkAAAAEgAAACQAAAASAAAAAAAAAACAAAAAAAAAAEAAABQAAAAAAAAAAAA4D8AAAAAAADgPwAAAAAAAOA/AAAAAAAA4D8AAAAAAADgPwAAAAAAAOA/AAAAAAAA4D8AAAAAAADgPwAAAAAAAOA/AAAAAAAA4D8CAAAAjAAAAAAAAAAAAAAAu+DjDP///wgAAAAAAAAAAAAAAAAAAAAAAAAAAAAAAAAAAAAAZAAAAAEAAABAAAAAAAAAAAAAAAAAAAAAAAAAAAAAAAAAAAAAAAAAAAAAAAAAAAAAAAAAAAAAAAAAAAAAAAAAAAAAAAAAAAAAAAAAAAAAAAAAAAAAAAAAAAAAAAAAAAAAFAAAADwAAAAAAAAAAAAAAAAAAAkUAAAAAQAAABQAAAAUAAAAFAAAAAEAAAAAAAAAZAAAAGQAAAAAAAAAZAAAAGQAAAAVAAAAYAAAAAAAAAAAAAAADwAAACADAAAAAAAAAAAAAAEAAACgMgAAVgcAAKr4//8BAAAAf39/AAEAAABkAAAAAAAAABQAAABAHwAAAAAAACYAAAAAAAAAwOD//wAAAAAmAAAAZAAAABYAAABMAAAAAAAAAAAAAAAEAAAAAAAAAAEAAACAgIAKAAAAACgAAAAoAAAAZAAAAGQAAAAAAAAAzMzMAAAAAABQAAAAUAAAAGQAAABkAAAAAAAAABcAAAAUAAAAAAAAAAAAAAD/fwAA/38AAAAAAAAJAAAABAAAAAAAAAAeAAAAaAAAAAAAAAAAAAAAAAAAAAAAAAAAAAAAECcAABAnAAAAAAAAAAAAAAAAAAAAAAAAAAAAAAAAAAAAAAAAAAAAABQAAAAAAAAAwMD/AAAAAABkAAAAMgAAAAAAAABkAAAAAAAAAH9/fwAKAAAAIgAAABgAAAAAAAAAAAAAAAAAAAAAAAAAAAAAAAAAAAAkAAAAJAAAAAAAAAAHAAAAAAAAAAAAAAAAAAAAAAAAAAAAAAAAAAAAf39/ACUAAABYAAAAAAAAAAAAAAAAAAAAAAAAAAAAAAAAAAAAAAAAAAAAAAAAAAAAAAAAAAAAAAA/AAAAAAAAAKCGAQAAAAAAAAAAAAAAAAAMAAAAAQAAAAAAAAAAAAAAAAAAAB8AAABUAAAAAAAABQAAAAEAAAAAAAAAAAAAAAAAAAAAAAAAAAAAAAAAAAAAAAAAAAAAAAJ/f38AAAAAA8zMzADAwP8Af39/AAAAAAAAAAAAAAAAAAAAAAAAAAAAIQAAABgAAAAUAAAAsw4AAIgdAACzOwAABCEAABAAAAAmAAAACAAAAIGAAAAAAAAAMAAAABQAAAAAAAAAAAD//wAAAQAAAP//AAABAA=="/>
               </a:ext>
             </a:extLst>
           </p:cNvSpPr>
@@ -2540,7 +2542,7 @@
             <a:spLocks noGrp="1" noChangeArrowheads="1"/>
             <a:extLst>
               <a:ext uri="smNativeData">
-                <pr:smNativeData xmlns:pr="smNativeData" xmlns="smNativeData" val="SMDATA_16_oViJZxMAAAAlAAAAZAAAAA8BAAAAkAAAAEgAAACQAAAASAAAAAAAAAAAAAAAAAAAAAEAAABQAAAAAAAAAAAA4D8AAAAAAADgPwAAAAAAAOA/AAAAAAAA4D8AAAAAAADgPwAAAAAAAOA/AAAAAAAA4D8AAAAAAADgPwAAAAAAAOA/AAAAAAAA4D8CAAAAjAAAAAAAAAAAAAAAu+DjDP///wgAAAAAAAAAAAAAAAAAAAAAAAAAAAAAAAAAAAAAZAAAAAEAAABAAAAAAAAAAAAAAAAAAAAAAAAAAAAAAAAAAAAAAAAAAAAAAAAAAAAAAAAAAAAAAAAAAAAAAAAAAAAAAAAAAAAAAAAAAAAAAAAAAAAAAAAAAAAAAAAAAAAAFAAAADwAAAAAAAAAAAAAAAAAAAkUAAAAAQAAABQAAAAUAAAAFAAAAAEAAAAAAAAAZAAAAGQAAAAAAAAAZAAAAGQAAAAVAAAAYAAAAAAAAAAAAAAADwAAACADAAAAAAAAAAAAAAEAAACgMgAAVgcAAKr4//8BAAAAf39/AAEAAABkAAAAAAAAABQAAABAHwAAAAAAACYAAAAAAAAAwOD//wAAAAAmAAAAZAAAABYAAABMAAAAAAAAAAAAAAAEAAAAAAAAAAEAAACAgIAKAAAAACgAAAAoAAAAZAAAAGQAAAAAAAAAzMzMAAAAAABQAAAAUAAAAGQAAABkAAAAAAAAABcAAAAUAAAAAAAAAAAAAAD/fwAA/38AAAAAAAAJAAAABAAAAAAAAAAeAAAAaAAAAAAAAAAAAAAAAAAAAAAAAAAAAAAAECcAABAnAAAAAAAAAAAAAAAAAAAAAAAAAAAAAAAAAAAAAAAAAAAAABQAAAAAAAAAwMD/AAAAAABkAAAAMgAAAAAAAABkAAAAAAAAAH9/fwAKAAAAIgAAABgAAAAAAAAAAAAAAAAAAAAAAAAAAAAAAAAAAAAkAAAAJAAAAAAAAAAHAAAAAAAAAAAAAAAAAAAAAAAAAAAAAAAAAAAAf39/ACUAAABYAAAAAAAAAAAAAAAAAAAAAAAAAAAAAAAAAAAAAAAAAAAAAAAAAAAAAAAAAAAAAAA/AAAAAAAAAKCGAQAAAAAAAAAAAAAAAAAMAAAAAQAAAAAAAAAAAAAAAAAAAB8AAABUAAAAAAAABQAAAAEAAAAAAAAAAAAAAAAAAAAAAAAAAAAAAAAAAAAAAAAAAAAAAAJ/f38AAAAAA8zMzADAwP8Af39/AAAAAAAAAAAAAAAAAAAAAAAAAAAAIQAAABgAAAAUAAAAsw4AAMYDAACzOwAAFh0AABAAAAAmAAAACAAAAAGAAAAAAAAAMAAAABQAAAAAAAAAAAD//wAAAQAAAP//AAABAA=="/>
+                <pr:smNativeData xmlns:pr="smNativeData" xmlns="smNativeData" val="SMDATA_16_zLafZxMAAAAlAAAAZAAAAA8BAAAAkAAAAEgAAACQAAAASAAAAAAAAAAAAAAAAAAAAAEAAABQAAAAAAAAAAAA4D8AAAAAAADgPwAAAAAAAOA/AAAAAAAA4D8AAAAAAADgPwAAAAAAAOA/AAAAAAAA4D8AAAAAAADgPwAAAAAAAOA/AAAAAAAA4D8CAAAAjAAAAAAAAAAAAAAAu+DjDP///wgAAAAAAAAAAAAAAAAAAAAAAAAAAAAAAAAAAAAAZAAAAAEAAABAAAAAAAAAAAAAAAAAAAAAAAAAAAAAAAAAAAAAAAAAAAAAAAAAAAAAAAAAAAAAAAAAAAAAAAAAAAAAAAAAAAAAAAAAAAAAAAAAAAAAAAAAAAAAAAAAAAAAFAAAADwAAAAAAAAAAAAAAAAAAAkUAAAAAQAAABQAAAAUAAAAFAAAAAEAAAAAAAAAZAAAAGQAAAAAAAAAZAAAAGQAAAAVAAAAYAAAAAAAAAAAAAAADwAAACADAAAAAAAAAAAAAAEAAACgMgAAVgcAAKr4//8BAAAAf39/AAEAAABkAAAAAAAAABQAAABAHwAAAAAAACYAAAAAAAAAwOD//wAAAAAmAAAAZAAAABYAAABMAAAAAAAAAAAAAAAEAAAAAAAAAAEAAACAgIAKAAAAACgAAAAoAAAAZAAAAGQAAAAAAAAAzMzMAAAAAABQAAAAUAAAAGQAAABkAAAAAAAAABcAAAAUAAAAAAAAAAAAAAD/fwAA/38AAAAAAAAJAAAABAAAAAAAAAAeAAAAaAAAAAAAAAAAAAAAAAAAAAAAAAAAAAAAECcAABAnAAAAAAAAAAAAAAAAAAAAAAAAAAAAAAAAAAAAAAAAAAAAABQAAAAAAAAAwMD/AAAAAABkAAAAMgAAAAAAAABkAAAAAAAAAH9/fwAKAAAAIgAAABgAAAAAAAAAAAAAAAAAAAAAAAAAAAAAAAAAAAAkAAAAJAAAAAAAAAAHAAAAAAAAAAAAAAAAAAAAAAAAAAAAAAAAAAAAf39/ACUAAABYAAAAAAAAAAAAAAAAAAAAAAAAAAAAAAAAAAAAAAAAAAAAAAAAAAAAAAAAAAAAAAA/AAAAAAAAAKCGAQAAAAAAAAAAAAAAAAAMAAAAAQAAAAAAAAAAAAAAAAAAAB8AAABUAAAAAAAABQAAAAEAAAAAAAAAAAAAAAAAAAAAAAAAAAAAAAAAAAAAAAAAAAAAAAJ/f38AAAAAA8zMzADAwP8Af39/AAAAAAAAAAAAAAAAAAAAAAAAAAAAIQAAABgAAAAUAAAAsw4AAMYDAACzOwAAFh0AABAAAAAmAAAACAAAAAGAAAAAAAAAMAAAABQAAAAAAAAAAAD//wAAAQAAAP//AAABAA=="/>
               </a:ext>
             </a:extLst>
           </p:cNvSpPr>
@@ -2609,7 +2611,7 @@
             <a:spLocks noGrp="1" noChangeArrowheads="1"/>
             <a:extLst>
               <a:ext uri="smNativeData">
-                <pr:smNativeData xmlns:pr="smNativeData" xmlns="smNativeData" val="SMDATA_16_oViJZxMAAAAlAAAAZAAAAA8BAAAAkAAAAEgAAACQAAAASAAAAAAAAAAAAAAAAAAAAAEAAABQAAAAAAAAAAAA4D8AAAAAAADgPwAAAAAAAOA/AAAAAAAA4D8AAAAAAADgPwAAAAAAAOA/AAAAAAAA4D8AAAAAAADgPwAAAAAAAOA/AAAAAAAA4D8CAAAAjAAAAAAAAAAAAAAAu+DjDP///wgAAAAAAAAAAAAAAAAAAAAAAAAAAAAAAAAAAAAAZAAAAAEAAABAAAAAAAAAAAAAAAAAAAAAAAAAAAAAAAAAAAAAAAAAAAAAAAAAAAAAAAAAAAAAAAAAAAAAAAAAAAAAAAAAAAAAAAAAAAAAAAAAAAAAAAAAAAAAAAAAAAAAFAAAADwAAAAAAAAAAAAAAAAAAAkUAAAAAQAAABQAAAAUAAAAFAAAAAEAAAAAAAAAZAAAAGQAAAAAAAAAZAAAAGQAAAAVAAAAYAAAAAAAAAAAAAAADwAAACADAAAAAAAAAAAAAAEAAACgMgAAVgcAAKr4//8BAAAAf39/AAEAAABkAAAAAAAAABQAAABAHwAAAAAAACYAAAAAAAAAwOD//wAAAAAmAAAAZAAAABYAAABMAAAAAAAAAAAAAAAEAAAAAAAAAAEAAACAgIAKAAAAACgAAAAoAAAAZAAAAGQAAAAAAAAAzMzMAAAAAABQAAAAUAAAAGQAAABkAAAAAAAAABcAAAAUAAAAAAAAAAAAAAD/fwAA/38AAAAAAAAJAAAABAAAAAAAAAAeAAAAaAAAAAAAAAAAAAAAAAAAAAAAAAAAAAAAECcAABAnAAAAAAAAAAAAAAAAAAAAAAAAAAAAAAAAAAAAAAAAAAAAABQAAAAAAAAAwMD/AAAAAABkAAAAMgAAAAAAAABkAAAAAAAAAH9/fwAKAAAAIgAAABgAAAAAAAAAAAAAAAAAAAAAAAAAAAAAAAAAAAAkAAAAJAAAAAAAAAAHAAAAAAAAAAAAAAAAAAAAAAAAAAAAAAAAAAAAf39/ACUAAABYAAAAAAAAAAAAAAAAAAAAAAAAAAAAAAAAAAAAAAAAAAAAAAAAAAAAAAAAAAAAAAA/AAAAAAAAAKCGAQAAAAAAAAAAAAAAAAAMAAAAAQAAAAAAAAAAAAAAAAAAAB8AAABUAAAAAAAABQAAAAEAAAAAAAAAAAAAAAAAAAAAAAAAAAAAAAAAAAAAAAAAAAAAAAJ/f38AAAAAA8zMzADAwP8Af39/AAAAAAAAAAAAAAAAAAAAAAAAAAAAIQAAABgAAAAUAAAAsw4AAAQhAACzOwAA+CUAABAAAAAmAAAACAAAAAGAAAAAAAAAMAAAABQAAAAAAAAAAAD//wAAAQAAAP//AAABAA=="/>
+                <pr:smNativeData xmlns:pr="smNativeData" xmlns="smNativeData" val="SMDATA_16_zLafZxMAAAAlAAAAZAAAAA8BAAAAkAAAAEgAAACQAAAASAAAAAAAAAAAAAAAAAAAAAEAAABQAAAAAAAAAAAA4D8AAAAAAADgPwAAAAAAAOA/AAAAAAAA4D8AAAAAAADgPwAAAAAAAOA/AAAAAAAA4D8AAAAAAADgPwAAAAAAAOA/AAAAAAAA4D8CAAAAjAAAAAAAAAAAAAAAu+DjDP///wgAAAAAAAAAAAAAAAAAAAAAAAAAAAAAAAAAAAAAZAAAAAEAAABAAAAAAAAAAAAAAAAAAAAAAAAAAAAAAAAAAAAAAAAAAAAAAAAAAAAAAAAAAAAAAAAAAAAAAAAAAAAAAAAAAAAAAAAAAAAAAAAAAAAAAAAAAAAAAAAAAAAAFAAAADwAAAAAAAAAAAAAAAAAAAkUAAAAAQAAABQAAAAUAAAAFAAAAAEAAAAAAAAAZAAAAGQAAAAAAAAAZAAAAGQAAAAVAAAAYAAAAAAAAAAAAAAADwAAACADAAAAAAAAAAAAAAEAAACgMgAAVgcAAKr4//8BAAAAf39/AAEAAABkAAAAAAAAABQAAABAHwAAAAAAACYAAAAAAAAAwOD//wAAAAAmAAAAZAAAABYAAABMAAAAAAAAAAAAAAAEAAAAAAAAAAEAAACAgIAKAAAAACgAAAAoAAAAZAAAAGQAAAAAAAAAzMzMAAAAAABQAAAAUAAAAGQAAABkAAAAAAAAABcAAAAUAAAAAAAAAAAAAAD/fwAA/38AAAAAAAAJAAAABAAAAAAAAAAeAAAAaAAAAAAAAAAAAAAAAAAAAAAAAAAAAAAAECcAABAnAAAAAAAAAAAAAAAAAAAAAAAAAAAAAAAAAAAAAAAAAAAAABQAAAAAAAAAwMD/AAAAAABkAAAAMgAAAAAAAABkAAAAAAAAAH9/fwAKAAAAIgAAABgAAAAAAAAAAAAAAAAAAAAAAAAAAAAAAAAAAAAkAAAAJAAAAAAAAAAHAAAAAAAAAAAAAAAAAAAAAAAAAAAAAAAAAAAAf39/ACUAAABYAAAAAAAAAAAAAAAAAAAAAAAAAAAAAAAAAAAAAAAAAAAAAAAAAAAAAAAAAAAAAAA/AAAAAAAAAKCGAQAAAAAAAAAAAAAAAAAMAAAAAQAAAAAAAAAAAAAAAAAAAB8AAABUAAAAAAAABQAAAAEAAAAAAAAAAAAAAAAAAAAAAAAAAAAAAAAAAAAAAAAAAAAAAAJ/f38AAAAAA8zMzADAwP8Af39/AAAAAAAAAAAAAAAAAAAAAAAAAAAAIQAAABgAAAAUAAAAsw4AAAQhAACzOwAA+CUAABAAAAAmAAAACAAAAAGAAAAAAAAAMAAAABQAAAAAAAAAAAD//wAAAQAAAP//AAABAA=="/>
               </a:ext>
             </a:extLst>
           </p:cNvSpPr>
@@ -2678,7 +2680,7 @@
             <a:spLocks noGrp="1" noChangeArrowheads="1"/>
             <a:extLst>
               <a:ext uri="smNativeData">
-                <pr:smNativeData xmlns:pr="smNativeData" xmlns="smNativeData" val="SMDATA_16_oViJZxMAAAAlAAAAZAAAAA8BAAAAkAAAAEgAAACQAAAASAAAAAAAAAABAAAAAAAAAAEAAABQAAAAAAAAAAAA4D8AAAAAAADgPwAAAAAAAOA/AAAAAAAA4D8AAAAAAADgPwAAAAAAAOA/AAAAAAAA4D8AAAAAAADgPwAAAAAAAOA/AAAAAAAA4D8CAAAAjAAAAAAAAAAAAAAAu+DjDP///wgAAAAAAAAAAAAAAAAAAAAAAAAAAAAAAAAAAAAAZAAAAAEAAABAAAAAAAAAAAAAAAAAAAAAAAAAAAAAAAAAAAAAAAAAAAAAAAAAAAAAAAAAAAAAAAAAAAAAAAAAAAAAAAAAAAAAAAAAAAAAAAAAAAAAAAAAAAAAAAAAAAAAFAAAADwAAAAAAAAAAAAAAAAAAAkUAAAAAQAAABQAAAAUAAAAFAAAAAEAAAAAAAAAZAAAAGQAAAAAAAAAZAAAAGQAAAAVAAAAYAAAAAAAAAAAAAAADwAAACADAAAAAAAAAAAAAAEAAACgMgAAVgcAAKr4//8BAAAAf39/AAEAAABkAAAAAAAAABQAAABAHwAAAAAAACYAAAAAAAAAwOD//wAAAAAmAAAAZAAAABYAAABMAAAAAAAAAAAAAAAEAAAAAAAAAAEAAACAgIAKAAAAACgAAAAoAAAAZAAAAGQAAAAAAAAAzMzMAAAAAABQAAAAUAAAAGQAAABkAAAAAAAAABcAAAAUAAAAAAAAAAAAAAD/fwAA/38AAAAAAAAJAAAABAAAAAAAAAAeAAAAaAAAAAAAAAAAAAAAAAAAAAAAAAAAAAAAECcAABAnAAAAAAAAAAAAAAAAAAAAAAAAAAAAAAAAAAAAAAAAAAAAABQAAAAAAAAAwMD/AAAAAABkAAAAMgAAAAAAAABkAAAAAAAAAH9/fwAKAAAAIgAAABgAAAAAAAAAAAAAAAAAAAAAAAAAAAAAAAAAAAAkAAAAJAAAAAAAAAAHAAAAAAAAAAAAAAAAAAAAAAAAAAAAAAAAAAAAf39/ACUAAABYAAAAAAAAAAAAAAAAAAAAAAAAAAAAAAAAAAAAAAAAAAAAAAAAAAAAAAAAAAAAAAA/AAAAAAAAAKCGAQAAAAAAAAAAAAAAAAAMAAAAAQAAAAAAAAAAAAAAAAAAAB8AAABUAAAAAAAABQAAAAEAAAAAAAAAAAAAAAAAAAAAAAAAAAAAAAAAAAAAAAAAAAAAAAJ/f38AAAAAA8zMzADAwP8Af39/AAAAAAAAAAAAAAAAAAAAAAAAAAAAIQAAABgAAAAUAAAAwAMAABsnAAA/FQAAWSkAABAAAAAmAAAACAAAAAAAAAAAAAAAMAAAABQAAAAAAAAAAAD//wAAAQAAAP//AAABAA=="/>
+                <pr:smNativeData xmlns:pr="smNativeData" xmlns="smNativeData" val="SMDATA_16_zLafZxMAAAAlAAAAZAAAAA8BAAAAkAAAAEgAAACQAAAASAAAAAAAAAABAAAAAAAAAAEAAABQAAAAAAAAAAAA4D8AAAAAAADgPwAAAAAAAOA/AAAAAAAA4D8AAAAAAADgPwAAAAAAAOA/AAAAAAAA4D8AAAAAAADgPwAAAAAAAOA/AAAAAAAA4D8CAAAAjAAAAAAAAAAAAAAAu+DjDP///wgAAAAAAAAAAAAAAAAAAAAAAAAAAAAAAAAAAAAAZAAAAAEAAABAAAAAAAAAAAAAAAAAAAAAAAAAAAAAAAAAAAAAAAAAAAAAAAAAAAAAAAAAAAAAAAAAAAAAAAAAAAAAAAAAAAAAAAAAAAAAAAAAAAAAAAAAAAAAAAAAAAAAFAAAADwAAAAAAAAAAAAAAAAAAAkUAAAAAQAAABQAAAAUAAAAFAAAAAEAAAAAAAAAZAAAAGQAAAAAAAAAZAAAAGQAAAAVAAAAYAAAAAAAAAAAAAAADwAAACADAAAAAAAAAAAAAAEAAACgMgAAVgcAAKr4//8BAAAAf39/AAEAAABkAAAAAAAAABQAAABAHwAAAAAAACYAAAAAAAAAwOD//wAAAAAmAAAAZAAAABYAAABMAAAAAAAAAAAAAAAEAAAAAAAAAAEAAACAgIAKAAAAACgAAAAoAAAAZAAAAGQAAAAAAAAAzMzMAAAAAABQAAAAUAAAAGQAAABkAAAAAAAAABcAAAAUAAAAAAAAAAAAAAD/fwAA/38AAAAAAAAJAAAABAAAAAAAAAAeAAAAaAAAAAAAAAAAAAAAAAAAAAAAAAAAAAAAECcAABAnAAAAAAAAAAAAAAAAAAAAAAAAAAAAAAAAAAAAAAAAAAAAABQAAAAAAAAAwMD/AAAAAABkAAAAMgAAAAAAAABkAAAAAAAAAH9/fwAKAAAAIgAAABgAAAAAAAAAAAAAAAAAAAAAAAAAAAAAAAAAAAAkAAAAJAAAAAAAAAAHAAAAAAAAAAAAAAAAAAAAAAAAAAAAAAAAAAAAf39/ACUAAABYAAAAAAAAAAAAAAAAAAAAAAAAAAAAAAAAAAAAAAAAAAAAAAAAAAAAAAAAAAAAAAA/AAAAAAAAAKCGAQAAAAAAAAAAAAAAAAAMAAAAAQAAAAAAAAAAAAAAAAAAAB8AAABUAAAAAAAABQAAAAEAAAAAAAAAAAAAAAAAAAAAAAAAAAAAAAAAAAAAAAAAAAAAAAJ/f38AAAAAA8zMzADAwP8Af39/AAAAAAAAAAAAAAAAAAAAAAAAAAAAIQAAABgAAAAUAAAAwAMAABsnAAA/FQAAWSkAABAAAAAmAAAACAAAAAAAAAAAAAAAMAAAABQAAAAAAAAAAAD//wAAAQAAAP//AAABAA=="/>
               </a:ext>
             </a:extLst>
           </p:cNvSpPr>
@@ -2692,7 +2694,7 @@
           <a:lstStyle/>
           <a:p>
             <a:pPr/>
-            <a:fld id="{3D8E192B-65D0-DBEF-9E36-93BA577868C6}" type="datetime1">
+            <a:fld id="{3FC4986E-20D2-916E-9C7C-D63BD6326A83}" type="datetime1">
               <a:t/>
             </a:fld>
           </a:p>
@@ -2705,7 +2707,7 @@
             <a:spLocks noGrp="1" noChangeArrowheads="1"/>
             <a:extLst>
               <a:ext uri="smNativeData">
-                <pr:smNativeData xmlns:pr="smNativeData" xmlns="smNativeData" val="SMDATA_16_oViJZxMAAAAlAAAAZAAAAA8BAAAAkAAAAEgAAACQAAAASAAAAAAAAAABAAAAAAAAAAEAAABQAAAAAAAAAAAA4D8AAAAAAADgPwAAAAAAAOA/AAAAAAAA4D8AAAAAAADgPwAAAAAAAOA/AAAAAAAA4D8AAAAAAADgPwAAAAAAAOA/AAAAAAAA4D8CAAAAjAAAAAAAAAAAAAAAu+DjDP///wgAAAAAAAAAAAAAAAAAAAAAAAAAAAAAAAAAAAAAZAAAAAEAAABAAAAAAAAAAAAAAAAAAAAAAAAAAAAAAAAAAAAAAAAAAAAAAAAAAAAAAAAAAAAAAAAAAAAAAAAAAAAAAAAAAAAAAAAAAAAAAAAAAAAAAAAAAAAAAAAAAAAAFAAAADwAAAAAAAAAAAAAAAAAAAkUAAAAAQAAABQAAAAUAAAAFAAAAAEAAAAAAAAAZAAAAGQAAAAAAAAAZAAAAGQAAAAVAAAAYAAAAAAAAAAAAAAADwAAACADAAAAAAAAAAAAAAEAAACgMgAAVgcAAKr4//8BAAAAf39/AAEAAABkAAAAAAAAABQAAABAHwAAAAAAACYAAAAAAAAAwOD//wAAAAAmAAAAZAAAABYAAABMAAAAAAAAAAAAAAAEAAAAAAAAAAEAAACAgIAKAAAAACgAAAAoAAAAZAAAAGQAAAAAAAAAzMzMAAAAAABQAAAAUAAAAGQAAABkAAAAAAAAABcAAAAUAAAAAAAAAAAAAAD/fwAA/38AAAAAAAAJAAAABAAAAAAAAAAeAAAAaAAAAAAAAAAAAAAAAAAAAAAAAAAAAAAAECcAABAnAAAAAAAAAAAAAAAAAAAAAAAAAAAAAAAAAAAAAAAAAAAAABQAAAAAAAAAwMD/AAAAAABkAAAAMgAAAAAAAABkAAAAAAAAAH9/fwAKAAAAIgAAABgAAAAAAAAAAAAAAAAAAAAAAAAAAAAAAAAAAAAkAAAAJAAAAAAAAAAHAAAAAAAAAAAAAAAAAAAAAAAAAAAAAAAAAAAAf39/ACUAAABYAAAAAAAAAAAAAAAAAAAAAAAAAAAAAAAAAAAAAAAAAAAAAAAAAAAAAAAAAAAAAAA/AAAAAAAAAKCGAQAAAAAAAAAAAAAAAAAMAAAAAQAAAAAAAAAAAAAAAAAAAB8AAABUAAAAAAAABQAAAAEAAAAAAAAAAAAAAAAAAAAAAAAAAAAAAAAAAAAAAAAAAAAAAAJ/f38AAAAAA8zMzADAwP8Af39/AAAAAAAAAAAAAAAAAAAAAAAAAAAAIQAAABgAAAAUAAAAoRkAABsnAABfMQAAWSkAABAAAAAmAAAACAAAAAAAAAAAAAAAMAAAABQAAAAAAAAAAAD//wAAAQAAAP//AAABAA=="/>
+                <pr:smNativeData xmlns:pr="smNativeData" xmlns="smNativeData" val="SMDATA_16_zLafZxMAAAAlAAAAZAAAAA8BAAAAkAAAAEgAAACQAAAASAAAAAAAAAABAAAAAAAAAAEAAABQAAAAAAAAAAAA4D8AAAAAAADgPwAAAAAAAOA/AAAAAAAA4D8AAAAAAADgPwAAAAAAAOA/AAAAAAAA4D8AAAAAAADgPwAAAAAAAOA/AAAAAAAA4D8CAAAAjAAAAAAAAAAAAAAAu+DjDP///wgAAAAAAAAAAAAAAAAAAAAAAAAAAAAAAAAAAAAAZAAAAAEAAABAAAAAAAAAAAAAAAAAAAAAAAAAAAAAAAAAAAAAAAAAAAAAAAAAAAAAAAAAAAAAAAAAAAAAAAAAAAAAAAAAAAAAAAAAAAAAAAAAAAAAAAAAAAAAAAAAAAAAFAAAADwAAAAAAAAAAAAAAAAAAAkUAAAAAQAAABQAAAAUAAAAFAAAAAEAAAAAAAAAZAAAAGQAAAAAAAAAZAAAAGQAAAAVAAAAYAAAAAAAAAAAAAAADwAAACADAAAAAAAAAAAAAAEAAACgMgAAVgcAAKr4//8BAAAAf39/AAEAAABkAAAAAAAAABQAAABAHwAAAAAAACYAAAAAAAAAwOD//wAAAAAmAAAAZAAAABYAAABMAAAAAAAAAAAAAAAEAAAAAAAAAAEAAACAgIAKAAAAACgAAAAoAAAAZAAAAGQAAAAAAAAAzMzMAAAAAABQAAAAUAAAAGQAAABkAAAAAAAAABcAAAAUAAAAAAAAAAAAAAD/fwAA/38AAAAAAAAJAAAABAAAAAAAAAAeAAAAaAAAAAAAAAAAAAAAAAAAAAAAAAAAAAAAECcAABAnAAAAAAAAAAAAAAAAAAAAAAAAAAAAAAAAAAAAAAAAAAAAABQAAAAAAAAAwMD/AAAAAABkAAAAMgAAAAAAAABkAAAAAAAAAH9/fwAKAAAAIgAAABgAAAAAAAAAAAAAAAAAAAAAAAAAAAAAAAAAAAAkAAAAJAAAAAAAAAAHAAAAAAAAAAAAAAAAAAAAAAAAAAAAAAAAAAAAf39/ACUAAABYAAAAAAAAAAAAAAAAAAAAAAAAAAAAAAAAAAAAAAAAAAAAAAAAAAAAAAAAAAAAAAA/AAAAAAAAAKCGAQAAAAAAAAAAAAAAAAAMAAAAAQAAAAAAAAAAAAAAAAAAAB8AAABUAAAAAAAABQAAAAEAAAAAAAAAAAAAAAAAAAAAAAAAAAAAAAAAAAAAAAAAAAAAAAJ/f38AAAAAA8zMzADAwP8Af39/AAAAAAAAAAAAAAAAAAAAAAAAAAAAIQAAABgAAAAUAAAAoRkAABsnAABfMQAAWSkAABAAAAAmAAAACAAAAAAAAAAAAAAAMAAAABQAAAAAAAAAAAD//wAAAQAAAP//AAABAA=="/>
               </a:ext>
             </a:extLst>
           </p:cNvSpPr>
@@ -2729,7 +2731,7 @@
             <a:spLocks noGrp="1" noChangeArrowheads="1"/>
             <a:extLst>
               <a:ext uri="smNativeData">
-                <pr:smNativeData xmlns:pr="smNativeData" xmlns="smNativeData" val="SMDATA_16_oViJZxMAAAAlAAAAZAAAAA8BAAAAkAAAAEgAAACQAAAASAAAAAAAAAABAAAAAAAAAAEAAABQAAAAAAAAAAAA4D8AAAAAAADgPwAAAAAAAOA/AAAAAAAA4D8AAAAAAADgPwAAAAAAAOA/AAAAAAAA4D8AAAAAAADgPwAAAAAAAOA/AAAAAAAA4D8CAAAAjAAAAAAAAAAAAAAAu+DjDP///wgAAAAAAAAAAAAAAAAAAAAAAAAAAAAAAAAAAAAAZAAAAAEAAABAAAAAAAAAAAAAAAAAAAAAAAAAAAAAAAAAAAAAAAAAAAAAAAAAAAAAAAAAAAAAAAAAAAAAAAAAAAAAAAAAAAAAAAAAAAAAAAAAAAAAAAAAAAAAAAAAAAAAFAAAADwAAAAAAAAAAAAAAAAAAAkUAAAAAQAAABQAAAAUAAAAFAAAAAEAAAAAAAAAZAAAAGQAAAAAAAAAZAAAAGQAAAAVAAAAYAAAAAAAAAAAAAAADwAAACADAAAAAAAAAAAAAAEAAACgMgAAVgcAAKr4//8BAAAAf39/AAEAAABkAAAAAAAAABQAAABAHwAAAAAAACYAAAAAAAAAwOD//wAAAAAmAAAAZAAAABYAAABMAAAAAAAAAAAAAAAEAAAAAAAAAAEAAACAgIAKAAAAACgAAAAoAAAAZAAAAGQAAAAAAAAAzMzMAAAAAABQAAAAUAAAAGQAAABkAAAAAAAAABcAAAAUAAAAAAAAAAAAAAD/fwAA/38AAAAAAAAJAAAABAAAAAAAAAAeAAAAaAAAAAAAAAAAAAAAAAAAAAAAAAAAAAAAECcAABAnAAAAAAAAAAAAAAAAAAAAAAAAAAAAAAAAAAAAAAAAAAAAABQAAAAAAAAAwMD/AAAAAABkAAAAMgAAAAAAAABkAAAAAAAAAH9/fwAKAAAAIgAAABgAAAAAAAAAAAAAAAAAAAAAAAAAAAAAAAAAAAAkAAAAJAAAAAAAAAAHAAAAAAAAAAAAAAAAAAAAAAAAAAAAAAAAAAAAf39/ACUAAABYAAAAAAAAAAAAAAAAAAAAAAAAAAAAAAAAAAAAAAAAAAAAAAAAAAAAAAAAAAAAAAA/AAAAAAAAAKCGAQAAAAAAAAAAAAAAAAAMAAAAAQAAAAAAAAAAAAAAAAAAAB8AAABUAAAAAAAABQAAAAEAAAAAAAAAAAAAAAAAAAAAAAAAAAAAAAAAAAAAAAAAAAAAAAJ/f38AAAAAA8zMzADAwP8Af39/AAAAAAAAAAAAAAAAAAAAAAAAAAAAIQAAABgAAAAUAAAAwTUAABsnAABARwAAWSkAABAAAAAmAAAACAAAAAAAAAAAAAAAMAAAABQAAAAAAAAAAAD//wAAAQAAAP//AAABAA=="/>
+                <pr:smNativeData xmlns:pr="smNativeData" xmlns="smNativeData" val="SMDATA_16_zLafZxMAAAAlAAAAZAAAAA8BAAAAkAAAAEgAAACQAAAASAAAAAAAAAABAAAAAAAAAAEAAABQAAAAAAAAAAAA4D8AAAAAAADgPwAAAAAAAOA/AAAAAAAA4D8AAAAAAADgPwAAAAAAAOA/AAAAAAAA4D8AAAAAAADgPwAAAAAAAOA/AAAAAAAA4D8CAAAAjAAAAAAAAAAAAAAAu+DjDP///wgAAAAAAAAAAAAAAAAAAAAAAAAAAAAAAAAAAAAAZAAAAAEAAABAAAAAAAAAAAAAAAAAAAAAAAAAAAAAAAAAAAAAAAAAAAAAAAAAAAAAAAAAAAAAAAAAAAAAAAAAAAAAAAAAAAAAAAAAAAAAAAAAAAAAAAAAAAAAAAAAAAAAFAAAADwAAAAAAAAAAAAAAAAAAAkUAAAAAQAAABQAAAAUAAAAFAAAAAEAAAAAAAAAZAAAAGQAAAAAAAAAZAAAAGQAAAAVAAAAYAAAAAAAAAAAAAAADwAAACADAAAAAAAAAAAAAAEAAACgMgAAVgcAAKr4//8BAAAAf39/AAEAAABkAAAAAAAAABQAAABAHwAAAAAAACYAAAAAAAAAwOD//wAAAAAmAAAAZAAAABYAAABMAAAAAAAAAAAAAAAEAAAAAAAAAAEAAACAgIAKAAAAACgAAAAoAAAAZAAAAGQAAAAAAAAAzMzMAAAAAABQAAAAUAAAAGQAAABkAAAAAAAAABcAAAAUAAAAAAAAAAAAAAD/fwAA/38AAAAAAAAJAAAABAAAAAAAAAAeAAAAaAAAAAAAAAAAAAAAAAAAAAAAAAAAAAAAECcAABAnAAAAAAAAAAAAAAAAAAAAAAAAAAAAAAAAAAAAAAAAAAAAABQAAAAAAAAAwMD/AAAAAABkAAAAMgAAAAAAAABkAAAAAAAAAH9/fwAKAAAAIgAAABgAAAAAAAAAAAAAAAAAAAAAAAAAAAAAAAAAAAAkAAAAJAAAAAAAAAAHAAAAAAAAAAAAAAAAAAAAAAAAAAAAAAAAAAAAf39/ACUAAABYAAAAAAAAAAAAAAAAAAAAAAAAAAAAAAAAAAAAAAAAAAAAAAAAAAAAAAAAAAAAAAA/AAAAAAAAAKCGAQAAAAAAAAAAAAAAAAAMAAAAAQAAAAAAAAAAAAAAAAAAAB8AAABUAAAAAAAABQAAAAEAAAAAAAAAAAAAAAAAAAAAAAAAAAAAAAAAAAAAAAAAAAAAAAJ/f38AAAAAA8zMzADAwP8Af39/AAAAAAAAAAAAAAAAAAAAAAAAAAAAIQAAABgAAAAUAAAAwTUAABsnAABARwAAWSkAABAAAAAmAAAACAAAAAAAAAAAAAAAMAAAABQAAAAAAAAAAAD//wAAAQAAAP//AAABAA=="/>
               </a:ext>
             </a:extLst>
           </p:cNvSpPr>
@@ -2743,7 +2745,7 @@
           <a:lstStyle/>
           <a:p>
             <a:pPr/>
-            <a:fld id="{3D8E3F57-19D0-DBC9-9E36-EF9C717868BA}" type="slidenum">
+            <a:fld id="{3FC4D811-5FD2-912E-9C7C-A97B96326AFC}" type="slidenum">
               <a:t/>
             </a:fld>
           </a:p>
@@ -2790,7 +2792,7 @@
             <a:spLocks noGrp="1" noChangeArrowheads="1"/>
             <a:extLst>
               <a:ext uri="smNativeData">
-                <pr:smNativeData xmlns:pr="smNativeData" xmlns="smNativeData" val="SMDATA_16_oViJZxMAAAAlAAAAZAAAAA8BAAAAkAAAAEgAAACQAAAASAAAAAAAAAABAAAAAAAAAAEAAABQAAAAAAAAAAAA4D8AAAAAAADgPwAAAAAAAOA/AAAAAAAA4D8AAAAAAADgPwAAAAAAAOA/AAAAAAAA4D8AAAAAAADgPwAAAAAAAOA/AAAAAAAA4D8CAAAAjAAAAAAAAAAAAAAAu+DjDP///wgAAAAAAAAAAAAAAAAAAAAAAAAAAAAAAAAAAAAAZAAAAAEAAABAAAAAAAAAAAAAAAAAAAAAAAAAAAAAAAAAAAAAAAAAAAAAAAAAAAAAAAAAAAAAAAAAAAAAAAAAAAAAAAAAAAAAAAAAAAAAAAAAAAAAAAAAAAAAAAAAAAAAFAAAADwAAAAAAAAAAAAAAAAAAAkUAAAAAQAAABQAAAAUAAAAFAAAAAEAAAAAAAAAZAAAAGQAAAAAAAAAZAAAAGQAAAAVAAAAYAAAAAAAAAAAAAAADwAAACADAAAAAAAAAAAAAAEAAACgMgAAVgcAAKr4//8BAAAAf39/AAEAAABkAAAAAAAAABQAAABAHwAAAAAAACYAAAAAAAAAwOD//wAAAAAmAAAAZAAAABYAAABMAAAAAAAAAAAAAAAEAAAAAAAAAAEAAACAgIAKAAAAACgAAAAoAAAAZAAAAGQAAAAAAAAAzMzMAAAAAABQAAAAUAAAAGQAAABkAAAAAAAAABcAAAAUAAAAAAAAAAAAAAD/fwAA/38AAAAAAAAJAAAABAAAAHsAfAAeAAAAaAAAAAAAAAAAAAAAAAAAAAAAAAAAAAAAECcAABAnAAAAAAAAAAAAAAAAAAAAAAAAAAAAAAAAAAAAAAAAAAAAABQAAAAAAAAAwMD/AAAAAABkAAAAMgAAAAAAAABkAAAAAAAAAH9/fwAKAAAAIgAAABgAAAAAAAAAAAAAAAAAAAAAAAAAAAAAAAAAAAAkAAAAJAAAAAAAAAAHAAAAAAAAAAAAAAAAAAAAAAAAAAAAAAAAAAAAf39/ACUAAABYAAAAAAAAAAAAAAAAAAAAAAAAAAAAAAAAAAAAAAAAAAAAAAAAAAAAAAAAAAAAAAA/AAAAAAAAAKCGAQAAAAAAAAAAAAAAAAAMAAAAAQAAAAAAAAAAAAAAAAAAAB8AAABUAAAAAAAABQAAAAEAAAAAAAAAAAAAAAAAAAAAAAAAAAAAAAAAAAAAAAAAAAAAAAJ/f38AAAAAA8zMzADAwP8Af39/AAAAAAAAAAAAAAAAAAAAAAAAAAAAIQAAABgAAAAUAAAAwAMAALABAABARwAAuAgAABAAAAAmAAAACAAAAP//////////MAAAABQAAAAAAAAAAAD//wAAAQAAAP//AAABAA=="/>
+                <pr:smNativeData xmlns:pr="smNativeData" xmlns="smNativeData" val="SMDATA_16_zLafZxMAAAAlAAAAZAAAAA8BAAAAkAAAAEgAAACQAAAASAAAAAAAAAABAAAAAAAAAAEAAABQAAAAAAAAAAAA4D8AAAAAAADgPwAAAAAAAOA/AAAAAAAA4D8AAAAAAADgPwAAAAAAAOA/AAAAAAAA4D8AAAAAAADgPwAAAAAAAOA/AAAAAAAA4D8CAAAAjAAAAAAAAAAAAAAAu+DjDP///wgAAAAAAAAAAAAAAAAAAAAAAAAAAAAAAAAAAAAAZAAAAAEAAABAAAAAAAAAAAAAAAAAAAAAAAAAAAAAAAAAAAAAAAAAAAAAAAAAAAAAAAAAAAAAAAAAAAAAAAAAAAAAAAAAAAAAAAAAAAAAAAAAAAAAAAAAAAAAAAAAAAAAFAAAADwAAAAAAAAAAAAAAAAAAAkUAAAAAQAAABQAAAAUAAAAFAAAAAEAAAAAAAAAZAAAAGQAAAAAAAAAZAAAAGQAAAAVAAAAYAAAAAAAAAAAAAAADwAAACADAAAAAAAAAAAAAAEAAACgMgAAVgcAAKr4//8BAAAAf39/AAEAAABkAAAAAAAAABQAAABAHwAAAAAAACYAAAAAAAAAwOD//wAAAAAmAAAAZAAAABYAAABMAAAAAAAAAAAAAAAEAAAAAAAAAAEAAACAgIAKAAAAACgAAAAoAAAAZAAAAGQAAAAAAAAAzMzMAAAAAABQAAAAUAAAAGQAAABkAAAAAAAAABcAAAAUAAAAAAAAAAAAAAD/fwAA/38AAAAAAAAJAAAABAAAAHsAfAAeAAAAaAAAAAAAAAAAAAAAAAAAAAAAAAAAAAAAECcAABAnAAAAAAAAAAAAAAAAAAAAAAAAAAAAAAAAAAAAAAAAAAAAABQAAAAAAAAAwMD/AAAAAABkAAAAMgAAAAAAAABkAAAAAAAAAH9/fwAKAAAAIgAAABgAAAAAAAAAAAAAAAAAAAAAAAAAAAAAAAAAAAAkAAAAJAAAAAAAAAAHAAAAAAAAAAAAAAAAAAAAAAAAAAAAAAAAAAAAf39/ACUAAABYAAAAAAAAAAAAAAAAAAAAAAAAAAAAAAAAAAAAAAAAAAAAAAAAAAAAAAAAAAAAAAA/AAAAAAAAAKCGAQAAAAAAAAAAAAAAAAAMAAAAAQAAAAAAAAAAAAAAAAAAAB8AAABUAAAAAAAABQAAAAEAAAAAAAAAAAAAAAAAAAAAAAAAAAAAAAAAAAAAAAAAAAAAAAJ/f38AAAAAA8zMzADAwP8Af39/AAAAAAAAAAAAAAAAAAAAAAAAAAAAIQAAABgAAAAUAAAAwAMAALABAABARwAAuAgAABAAAAAmAAAACAAAAP//////////MAAAABQAAAAAAAAAAAD//wAAAQAAAP//AAABAA=="/>
               </a:ext>
             </a:extLst>
           </p:cNvSpPr>
@@ -2834,7 +2836,7 @@
             <a:spLocks noGrp="1" noChangeArrowheads="1"/>
             <a:extLst>
               <a:ext uri="smNativeData">
-                <pr:smNativeData xmlns:pr="smNativeData" xmlns="smNativeData" val="SMDATA_16_oViJZxMAAAAlAAAAZAAAAA8BAAAAkAAAAEgAAACQAAAASAAAAAAAAAAAAAAAAAAAAAEAAABQAAAAAAAAAAAA4D8AAAAAAADgPwAAAAAAAOA/AAAAAAAA4D8AAAAAAADgPwAAAAAAAOA/AAAAAAAA4D8AAAAAAADgPwAAAAAAAOA/AAAAAAAA4D8CAAAAjAAAAAAAAAAAAAAAu+DjDP///wgAAAAAAAAAAAAAAAAAAAAAAAAAAAAAAAAAAAAAZAAAAAEAAABAAAAAAAAAAAAAAAAAAAAAAAAAAAAAAAAAAAAAAAAAAAAAAAAAAAAAAAAAAAAAAAAAAAAAAAAAAAAAAAAAAAAAAAAAAAAAAAAAAAAAAAAAAAAAAAAAAAAAFAAAADwAAAAAAAAAAAAAAAAAAAkUAAAAAQAAABQAAAAUAAAAFAAAAAEAAAAAAAAAZAAAAGQAAAAAAAAAZAAAAGQAAAAVAAAAYAAAAAAAAAAAAAAADwAAACADAAAAAAAAAAAAAAEAAACgMgAAVgcAAKr4//8BAAAAf39/AAEAAABkAAAAAAAAABQAAABAHwAAAAAAACYAAAAAAAAAwOD//wAAAAAmAAAAZAAAABYAAABMAAAAAAAAAAAAAAAEAAAAAAAAAAEAAACAgIAKAAAAACgAAAAoAAAAZAAAAGQAAAAAAAAAzMzMAAAAAABQAAAAUAAAAGQAAABkAAAAAAAAABcAAAAUAAAAAAAAAAAAAAD/fwAA/38AAAAAAAAJAAAABAAAAHsAfAAeAAAAaAAAAAAAAAAAAAAAAAAAAAAAAAAAAAAAECcAABAnAAAAAAAAAAAAAAAAAAAAAAAAAAAAAAAAAAAAAAAAAAAAABQAAAAAAAAAwMD/AAAAAABkAAAAMgAAAAAAAABkAAAAAAAAAH9/fwAKAAAAIgAAABgAAAAAAAAAAAAAAAAAAAAAAAAAAAAAAAAAAAAkAAAAJAAAAAAAAAAHAAAAAAAAAAAAAAAAAAAAAAAAAAAAAAAAAAAAf39/ACUAAABYAAAAAAAAAAAAAAAAAAAAAAAAAAAAAAAAAAAAAAAAAAAAAAAAAAAAAAAAAAAAAAA/AAAAAAAAAKCGAQAAAAAAAAAAAAAAAAAMAAAAAQAAAAAAAAAAAAAAAAAAAB8AAABUAAAAAAAABQAAAAEAAAAAAAAAAAAAAAAAAAAAAAAAAAAAAAAAAAAAAAAAAAAAAAJ/f38AAAAAA8zMzADAwP8Af39/AAAAAAAAAAAAAAAAAAAAAAAAAAAAIQAAABgAAAAUAAAAwAMAANgJAABARwAAsCUAABAAAAAmAAAACAAAAP//////////MAAAABQAAAAAAAAAAAD//wAAAQAAAP//AAABAA=="/>
+                <pr:smNativeData xmlns:pr="smNativeData" xmlns="smNativeData" val="SMDATA_16_zLafZxMAAAAlAAAAZAAAAA8BAAAAkAAAAEgAAACQAAAASAAAAAAAAAAAAAAAAAAAAAEAAABQAAAAAAAAAAAA4D8AAAAAAADgPwAAAAAAAOA/AAAAAAAA4D8AAAAAAADgPwAAAAAAAOA/AAAAAAAA4D8AAAAAAADgPwAAAAAAAOA/AAAAAAAA4D8CAAAAjAAAAAAAAAAAAAAAu+DjDP///wgAAAAAAAAAAAAAAAAAAAAAAAAAAAAAAAAAAAAAZAAAAAEAAABAAAAAAAAAAAAAAAAAAAAAAAAAAAAAAAAAAAAAAAAAAAAAAAAAAAAAAAAAAAAAAAAAAAAAAAAAAAAAAAAAAAAAAAAAAAAAAAAAAAAAAAAAAAAAAAAAAAAAFAAAADwAAAAAAAAAAAAAAAAAAAkUAAAAAQAAABQAAAAUAAAAFAAAAAEAAAAAAAAAZAAAAGQAAAAAAAAAZAAAAGQAAAAVAAAAYAAAAAAAAAAAAAAADwAAACADAAAAAAAAAAAAAAEAAACgMgAAVgcAAKr4//8BAAAAf39/AAEAAABkAAAAAAAAABQAAABAHwAAAAAAACYAAAAAAAAAwOD//wAAAAAmAAAAZAAAABYAAABMAAAAAAAAAAAAAAAEAAAAAAAAAAEAAACAgIAKAAAAACgAAAAoAAAAZAAAAGQAAAAAAAAAzMzMAAAAAABQAAAAUAAAAGQAAABkAAAAAAAAABcAAAAUAAAAAAAAAAAAAAD/fwAA/38AAAAAAAAJAAAABAAAAHsAfAAeAAAAaAAAAAAAAAAAAAAAAAAAAAAAAAAAAAAAECcAABAnAAAAAAAAAAAAAAAAAAAAAAAAAAAAAAAAAAAAAAAAAAAAABQAAAAAAAAAwMD/AAAAAABkAAAAMgAAAAAAAABkAAAAAAAAAH9/fwAKAAAAIgAAABgAAAAAAAAAAAAAAAAAAAAAAAAAAAAAAAAAAAAkAAAAJAAAAAAAAAAHAAAAAAAAAAAAAAAAAAAAAAAAAAAAAAAAAAAAf39/ACUAAABYAAAAAAAAAAAAAAAAAAAAAAAAAAAAAAAAAAAAAAAAAAAAAAAAAAAAAAAAAAAAAAA/AAAAAAAAAKCGAQAAAAAAAAAAAAAAAAAMAAAAAQAAAAAAAAAAAAAAAAAAAB8AAABUAAAAAAAABQAAAAEAAAAAAAAAAAAAAAAAAAAAAAAAAAAAAAAAAAAAAAAAAAAAAAJ/f38AAAAAA8zMzADAwP8Af39/AAAAAAAAAAAAAAAAAAAAAAAAAAAAIQAAABgAAAAUAAAAwAMAANgJAABARwAAsCUAABAAAAAmAAAACAAAAP//////////MAAAABQAAAAAAAAAAAD//wAAAQAAAP//AAABAA=="/>
               </a:ext>
             </a:extLst>
           </p:cNvSpPr>
@@ -2902,7 +2904,7 @@
             <a:spLocks noGrp="1" noChangeArrowheads="1"/>
             <a:extLst>
               <a:ext uri="smNativeData">
-                <pr:smNativeData xmlns:pr="smNativeData" xmlns="smNativeData" val="SMDATA_16_oViJZxMAAAAlAAAAZAAAAA8BAAAAkAAAAEgAAACQAAAASAAAAAAAAAABAAAAAAAAAAEAAABQAAAAAAAAAAAA4D8AAAAAAADgPwAAAAAAAOA/AAAAAAAA4D8AAAAAAADgPwAAAAAAAOA/AAAAAAAA4D8AAAAAAADgPwAAAAAAAOA/AAAAAAAA4D8CAAAAjAAAAAAAAAAAAAAAu+DjDP///wgAAAAAAAAAAAAAAAAAAAAAAAAAAAAAAAAAAAAAZAAAAAEAAABAAAAAAAAAAAAAAAAAAAAAAAAAAAAAAAAAAAAAAAAAAAAAAAAAAAAAAAAAAAAAAAAAAAAAAAAAAAAAAAAAAAAAAAAAAAAAAAAAAAAAAAAAAAAAAAAAAAAAFAAAADwAAAAAAAAAAAAAAAAAAAkUAAAAAQAAABQAAAAUAAAAFAAAAAEAAAAAAAAAZAAAAGQAAAAAAAAAZAAAAGQAAAAVAAAAYAAAAAAAAAAAAAAADwAAACADAAAAAAAAAAAAAAEAAACgMgAAVgcAAKr4//8BAAAAf39/AAEAAABkAAAAAAAAABQAAABAHwAAAAAAACYAAAAAAAAAwOD//wAAAAAmAAAAZAAAABYAAABMAAAAAAAAAAAAAAAEAAAAAAAAAAEAAACAgIAKAAAAACgAAAAoAAAAZAAAAGQAAAAAAAAAzMzMAAAAAABQAAAAUAAAAGQAAABkAAAAAAAAABcAAAAUAAAAAAAAAAAAAAD/fwAA/38AAAAAAAAJAAAABAAAAHsAfAAeAAAAaAAAAAAAAAAAAAAAAAAAAAAAAAAAAAAAECcAABAnAAAAAAAAAAAAAAAAAAAAAAAAAAAAAAAAAAAAAAAAAAAAABQAAAAAAAAAwMD/AAAAAABkAAAAMgAAAAAAAABkAAAAAAAAAH9/fwAKAAAAIgAAABgAAAAAAAAAAAAAAAAAAAAAAAAAAAAAAAAAAAAkAAAAJAAAAAAAAAAHAAAAAAAAAAAAAAAAAAAAAAAAAAAAAAAAAAAAf39/ACUAAABYAAAAAAAAAAAAAAAAAAAAAAAAAAAAAAAAAAAAAAAAAAAAAAAAAAAAAAAAAAAAAAA/AAAAAAAAAKCGAQAAAAAAAAAAAAAAAAAMAAAAAQAAAAAAAAAAAAAAAAAAAB8AAABUAAAAAAAABQAAAAEAAAAAAAAAAAAAAAAAAAAAAAAAAAAAAAAAAAAAAAAAAAAAAAJ/f38AAAAAA8zMzADAwP8Af39/AAAAAAAAAAAAAAAAAAAAAAAAAAAAIQAAABgAAAAUAAAAwAMAABsnAAA/FQAAWSkAABAAAAAmAAAACAAAAP//////////MAAAABQAAAAAAAAAAAD//wAAAQAAAP//AAABAA=="/>
+                <pr:smNativeData xmlns:pr="smNativeData" xmlns="smNativeData" val="SMDATA_16_zLafZxMAAAAlAAAAZAAAAA8BAAAAkAAAAEgAAACQAAAASAAAAAAAAAABAAAAAAAAAAEAAABQAAAAAAAAAAAA4D8AAAAAAADgPwAAAAAAAOA/AAAAAAAA4D8AAAAAAADgPwAAAAAAAOA/AAAAAAAA4D8AAAAAAADgPwAAAAAAAOA/AAAAAAAA4D8CAAAAjAAAAAAAAAAAAAAAu+DjDP///wgAAAAAAAAAAAAAAAAAAAAAAAAAAAAAAAAAAAAAZAAAAAEAAABAAAAAAAAAAAAAAAAAAAAAAAAAAAAAAAAAAAAAAAAAAAAAAAAAAAAAAAAAAAAAAAAAAAAAAAAAAAAAAAAAAAAAAAAAAAAAAAAAAAAAAAAAAAAAAAAAAAAAFAAAADwAAAAAAAAAAAAAAAAAAAkUAAAAAQAAABQAAAAUAAAAFAAAAAEAAAAAAAAAZAAAAGQAAAAAAAAAZAAAAGQAAAAVAAAAYAAAAAAAAAAAAAAADwAAACADAAAAAAAAAAAAAAEAAACgMgAAVgcAAKr4//8BAAAAf39/AAEAAABkAAAAAAAAABQAAABAHwAAAAAAACYAAAAAAAAAwOD//wAAAAAmAAAAZAAAABYAAABMAAAAAAAAAAAAAAAEAAAAAAAAAAEAAACAgIAKAAAAACgAAAAoAAAAZAAAAGQAAAAAAAAAzMzMAAAAAABQAAAAUAAAAGQAAABkAAAAAAAAABcAAAAUAAAAAAAAAAAAAAD/fwAA/38AAAAAAAAJAAAABAAAAHsAfAAeAAAAaAAAAAAAAAAAAAAAAAAAAAAAAAAAAAAAECcAABAnAAAAAAAAAAAAAAAAAAAAAAAAAAAAAAAAAAAAAAAAAAAAABQAAAAAAAAAwMD/AAAAAABkAAAAMgAAAAAAAABkAAAAAAAAAH9/fwAKAAAAIgAAABgAAAAAAAAAAAAAAAAAAAAAAAAAAAAAAAAAAAAkAAAAJAAAAAAAAAAHAAAAAAAAAAAAAAAAAAAAAAAAAAAAAAAAAAAAf39/ACUAAABYAAAAAAAAAAAAAAAAAAAAAAAAAAAAAAAAAAAAAAAAAAAAAAAAAAAAAAAAAAAAAAA/AAAAAAAAAKCGAQAAAAAAAAAAAAAAAAAMAAAAAQAAAAAAAAAAAAAAAAAAAB8AAABUAAAAAAAABQAAAAEAAAAAAAAAAAAAAAAAAAAAAAAAAAAAAAAAAAAAAAAAAAAAAAJ/f38AAAAAA8zMzADAwP8Af39/AAAAAAAAAAAAAAAAAAAAAAAAAAAAIQAAABgAAAAUAAAAwAMAABsnAAA/FQAAWSkAABAAAAAmAAAACAAAAP//////////MAAAABQAAAAAAAAAAAD//wAAAQAAAP//AAABAA=="/>
               </a:ext>
             </a:extLst>
           </p:cNvSpPr>
@@ -2937,7 +2939,7 @@
           </a:lstStyle>
           <a:p>
             <a:pPr/>
-            <a:fld id="{3D8E5987-C9D0-DBAF-9E36-3FFA1778686A}" type="datetime1">
+            <a:fld id="{3FC4B4B7-F9D2-9142-9C7C-0F17FA326A5A}" type="datetime1">
               <a:t/>
             </a:fld>
           </a:p>
@@ -2950,7 +2952,7 @@
             <a:spLocks noGrp="1" noChangeArrowheads="1"/>
             <a:extLst>
               <a:ext uri="smNativeData">
-                <pr:smNativeData xmlns:pr="smNativeData" xmlns="smNativeData" val="SMDATA_16_oViJZxMAAAAlAAAAZAAAAA8BAAAAkAAAAEgAAACQAAAASAAAAAAAAAABAAAAAAAAAAEAAABQAAAAAAAAAAAA4D8AAAAAAADgPwAAAAAAAOA/AAAAAAAA4D8AAAAAAADgPwAAAAAAAOA/AAAAAAAA4D8AAAAAAADgPwAAAAAAAOA/AAAAAAAA4D8CAAAAjAAAAAAAAAAAAAAAu+DjDP///wgAAAAAAAAAAAAAAAAAAAAAAAAAAAAAAAAAAAAAZAAAAAEAAABAAAAAAAAAAAAAAAAAAAAAAAAAAAAAAAAAAAAAAAAAAAAAAAAAAAAAAAAAAAAAAAAAAAAAAAAAAAAAAAAAAAAAAAAAAAAAAAAAAAAAAAAAAAAAAAAAAAAAFAAAADwAAAAAAAAAAAAAAAAAAAkUAAAAAQAAABQAAAAUAAAAFAAAAAEAAAAAAAAAZAAAAGQAAAAAAAAAZAAAAGQAAAAVAAAAYAAAAAAAAAAAAAAADwAAACADAAAAAAAAAAAAAAEAAACgMgAAVgcAAKr4//8BAAAAf39/AAEAAABkAAAAAAAAABQAAABAHwAAAAAAACYAAAAAAAAAwOD//wAAAAAmAAAAZAAAABYAAABMAAAAAAAAAAAAAAAEAAAAAAAAAAEAAACAgIAKAAAAACgAAAAoAAAAZAAAAGQAAAAAAAAAzMzMAAAAAABQAAAAUAAAAGQAAABkAAAAAAAAABcAAAAUAAAAAAAAAAAAAAD/fwAA/38AAAAAAAAJAAAABAAAAAAAAAAeAAAAaAAAAAAAAAAAAAAAAAAAAAAAAAAAAAAAECcAABAnAAAAAAAAAAAAAAAAAAAAAAAAAAAAAAAAAAAAAAAAAAAAABQAAAAAAAAAwMD/AAAAAABkAAAAMgAAAAAAAABkAAAAAAAAAH9/fwAKAAAAIgAAABgAAAAAAAAAAAAAAAAAAAAAAAAAAAAAAAAAAAAkAAAAJAAAAAAAAAAHAAAAAAAAAAAAAAAAAAAAAAAAAAAAAAAAAAAAf39/ACUAAABYAAAAAAAAAAAAAAAAAAAAAAAAAAAAAAAAAAAAAAAAAAAAAAAAAAAAAAAAAAAAAAA/AAAAAAAAAKCGAQAAAAAAAAAAAAAAAAAMAAAAAQAAAAAAAAAAAAAAAAAAAB8AAABUAAAAAAAABQAAAAEAAAAAAAAAAAAAAAAAAAAAAAAAAAAAAAAAAAAAAAAAAAAAAAJ/f38AAAAAA8zMzADAwP8Af39/AAAAAAAAAAAAAAAAAAAAAAAAAAAAIQAAABgAAAAUAAAAoRkAABsnAABfMQAAWSkAABAAAAAmAAAACAAAAP//////////MAAAABQAAAAAAAAAAAD//wAAAQAAAP//AAABAA=="/>
+                <pr:smNativeData xmlns:pr="smNativeData" xmlns="smNativeData" val="SMDATA_16_zLafZxMAAAAlAAAAZAAAAA8BAAAAkAAAAEgAAACQAAAASAAAAAAAAAABAAAAAAAAAAEAAABQAAAAAAAAAAAA4D8AAAAAAADgPwAAAAAAAOA/AAAAAAAA4D8AAAAAAADgPwAAAAAAAOA/AAAAAAAA4D8AAAAAAADgPwAAAAAAAOA/AAAAAAAA4D8CAAAAjAAAAAAAAAAAAAAAu+DjDP///wgAAAAAAAAAAAAAAAAAAAAAAAAAAAAAAAAAAAAAZAAAAAEAAABAAAAAAAAAAAAAAAAAAAAAAAAAAAAAAAAAAAAAAAAAAAAAAAAAAAAAAAAAAAAAAAAAAAAAAAAAAAAAAAAAAAAAAAAAAAAAAAAAAAAAAAAAAAAAAAAAAAAAFAAAADwAAAAAAAAAAAAAAAAAAAkUAAAAAQAAABQAAAAUAAAAFAAAAAEAAAAAAAAAZAAAAGQAAAAAAAAAZAAAAGQAAAAVAAAAYAAAAAAAAAAAAAAADwAAACADAAAAAAAAAAAAAAEAAACgMgAAVgcAAKr4//8BAAAAf39/AAEAAABkAAAAAAAAABQAAABAHwAAAAAAACYAAAAAAAAAwOD//wAAAAAmAAAAZAAAABYAAABMAAAAAAAAAAAAAAAEAAAAAAAAAAEAAACAgIAKAAAAACgAAAAoAAAAZAAAAGQAAAAAAAAAzMzMAAAAAABQAAAAUAAAAGQAAABkAAAAAAAAABcAAAAUAAAAAAAAAAAAAAD/fwAA/38AAAAAAAAJAAAABAAAAAAAAAAeAAAAaAAAAAAAAAAAAAAAAAAAAAAAAAAAAAAAECcAABAnAAAAAAAAAAAAAAAAAAAAAAAAAAAAAAAAAAAAAAAAAAAAABQAAAAAAAAAwMD/AAAAAABkAAAAMgAAAAAAAABkAAAAAAAAAH9/fwAKAAAAIgAAABgAAAAAAAAAAAAAAAAAAAAAAAAAAAAAAAAAAAAkAAAAJAAAAAAAAAAHAAAAAAAAAAAAAAAAAAAAAAAAAAAAAAAAAAAAf39/ACUAAABYAAAAAAAAAAAAAAAAAAAAAAAAAAAAAAAAAAAAAAAAAAAAAAAAAAAAAAAAAAAAAAA/AAAAAAAAAKCGAQAAAAAAAAAAAAAAAAAMAAAAAQAAAAAAAAAAAAAAAAAAAB8AAABUAAAAAAAABQAAAAEAAAAAAAAAAAAAAAAAAAAAAAAAAAAAAAAAAAAAAAAAAAAAAAJ/f38AAAAAA8zMzADAwP8Af39/AAAAAAAAAAAAAAAAAAAAAAAAAAAAIQAAABgAAAAUAAAAoRkAABsnAABfMQAAWSkAABAAAAAmAAAACAAAAP//////////MAAAABQAAAAAAAAAAAD//wAAAQAAAP//AAABAA=="/>
               </a:ext>
             </a:extLst>
           </p:cNvSpPr>
@@ -2995,7 +2997,7 @@
             <a:spLocks noGrp="1" noChangeArrowheads="1"/>
             <a:extLst>
               <a:ext uri="smNativeData">
-                <pr:smNativeData xmlns:pr="smNativeData" xmlns="smNativeData" val="SMDATA_16_oViJZxMAAAAlAAAAZAAAAA8BAAAAkAAAAEgAAACQAAAASAAAAAAAAAABAAAAAAAAAAEAAABQAAAAAAAAAAAA4D8AAAAAAADgPwAAAAAAAOA/AAAAAAAA4D8AAAAAAADgPwAAAAAAAOA/AAAAAAAA4D8AAAAAAADgPwAAAAAAAOA/AAAAAAAA4D8CAAAAjAAAAAAAAAAAAAAAu+DjDP///wgAAAAAAAAAAAAAAAAAAAAAAAAAAAAAAAAAAAAAZAAAAAEAAABAAAAAAAAAAAAAAAAAAAAAAAAAAAAAAAAAAAAAAAAAAAAAAAAAAAAAAAAAAAAAAAAAAAAAAAAAAAAAAAAAAAAAAAAAAAAAAAAAAAAAAAAAAAAAAAAAAAAAFAAAADwAAAAAAAAAAAAAAAAAAAkUAAAAAQAAABQAAAAUAAAAFAAAAAEAAAAAAAAAZAAAAGQAAAAAAAAAZAAAAGQAAAAVAAAAYAAAAAAAAAAAAAAADwAAACADAAAAAAAAAAAAAAEAAACgMgAAVgcAAKr4//8BAAAAf39/AAEAAABkAAAAAAAAABQAAABAHwAAAAAAACYAAAAAAAAAwOD//wAAAAAmAAAAZAAAABYAAABMAAAAAAAAAAAAAAAEAAAAAAAAAAEAAACAgIAKAAAAACgAAAAoAAAAZAAAAGQAAAAAAAAAzMzMAAAAAABQAAAAUAAAAGQAAABkAAAAAAAAABcAAAAUAAAAAAAAAAAAAAD/fwAA/38AAAAAAAAJAAAABAAAAP////8eAAAAaAAAAAAAAAAAAAAAAAAAAAAAAAAAAAAAECcAABAnAAAAAAAAAAAAAAAAAAAAAAAAAAAAAAAAAAAAAAAAAAAAABQAAAAAAAAAwMD/AAAAAABkAAAAMgAAAAAAAABkAAAAAAAAAH9/fwAKAAAAIgAAABgAAAAAAAAAAAAAAAAAAAAAAAAAAAAAAAAAAAAkAAAAJAAAAAAAAAAHAAAAAAAAAAAAAAAAAAAAAAAAAAAAAAAAAAAAf39/ACUAAABYAAAAAAAAAAAAAAAAAAAAAAAAAAAAAAAAAAAAAAAAAAAAAAAAAAAAAAAAAAAAAAA/AAAAAAAAAKCGAQAAAAAAAAAAAAAAAAAMAAAAAQAAAAAAAAAAAAAAAAAAAB8AAABUAAAAAAAABQAAAAEAAAAAAAAAAAAAAAAAAAAAAAAAAAAAAAAAAAAAAAAAAAAAAAJ/f38AAAAAA8zMzADAwP8Af39/AAAAAAAAAAAAAAAAAAAAAAAAAAAAIQAAABgAAAAUAAAAwTUAABsnAABARwAAWSkAABAAAAAmAAAACAAAAP//////////MAAAABQAAAAAAAAAAAD//wAAAQAAAP//AAABAA=="/>
+                <pr:smNativeData xmlns:pr="smNativeData" xmlns="smNativeData" val="SMDATA_16_zLafZxMAAAAlAAAAZAAAAA8BAAAAkAAAAEgAAACQAAAASAAAAAAAAAABAAAAAAAAAAEAAABQAAAAAAAAAAAA4D8AAAAAAADgPwAAAAAAAOA/AAAAAAAA4D8AAAAAAADgPwAAAAAAAOA/AAAAAAAA4D8AAAAAAADgPwAAAAAAAOA/AAAAAAAA4D8CAAAAjAAAAAAAAAAAAAAAu+DjDP///wgAAAAAAAAAAAAAAAAAAAAAAAAAAAAAAAAAAAAAZAAAAAEAAABAAAAAAAAAAAAAAAAAAAAAAAAAAAAAAAAAAAAAAAAAAAAAAAAAAAAAAAAAAAAAAAAAAAAAAAAAAAAAAAAAAAAAAAAAAAAAAAAAAAAAAAAAAAAAAAAAAAAAFAAAADwAAAAAAAAAAAAAAAAAAAkUAAAAAQAAABQAAAAUAAAAFAAAAAEAAAAAAAAAZAAAAGQAAAAAAAAAZAAAAGQAAAAVAAAAYAAAAAAAAAAAAAAADwAAACADAAAAAAAAAAAAAAEAAACgMgAAVgcAAKr4//8BAAAAf39/AAEAAABkAAAAAAAAABQAAABAHwAAAAAAACYAAAAAAAAAwOD//wAAAAAmAAAAZAAAABYAAABMAAAAAAAAAAAAAAAEAAAAAAAAAAEAAACAgIAKAAAAACgAAAAoAAAAZAAAAGQAAAAAAAAAzMzMAAAAAABQAAAAUAAAAGQAAABkAAAAAAAAABcAAAAUAAAAAAAAAAAAAAD/fwAA/38AAAAAAAAJAAAABAAAAP////8eAAAAaAAAAAAAAAAAAAAAAAAAAAAAAAAAAAAAECcAABAnAAAAAAAAAAAAAAAAAAAAAAAAAAAAAAAAAAAAAAAAAAAAABQAAAAAAAAAwMD/AAAAAABkAAAAMgAAAAAAAABkAAAAAAAAAH9/fwAKAAAAIgAAABgAAAAAAAAAAAAAAAAAAAAAAAAAAAAAAAAAAAAkAAAAJAAAAAAAAAAHAAAAAAAAAAAAAAAAAAAAAAAAAAAAAAAAAAAAf39/ACUAAABYAAAAAAAAAAAAAAAAAAAAAAAAAAAAAAAAAAAAAAAAAAAAAAAAAAAAAAAAAAAAAAA/AAAAAAAAAKCGAQAAAAAAAAAAAAAAAAAMAAAAAQAAAAAAAAAAAAAAAAAAAB8AAABUAAAAAAAABQAAAAEAAAAAAAAAAAAAAAAAAAAAAAAAAAAAAAAAAAAAAAAAAAAAAAJ/f38AAAAAA8zMzADAwP8Af39/AAAAAAAAAAAAAAAAAAAAAAAAAAAAIQAAABgAAAAUAAAAwTUAABsnAABARwAAWSkAABAAAAAmAAAACAAAAP//////////MAAAABQAAAAAAAAAAAD//wAAAQAAAP//AAABAA=="/>
               </a:ext>
             </a:extLst>
           </p:cNvSpPr>
@@ -3030,7 +3032,7 @@
           </a:lstStyle>
           <a:p>
             <a:pPr/>
-            <a:fld id="{3D8E6F64-2AD0-DB99-9E36-DCCC21786889}" type="slidenum">
+            <a:fld id="{3FC4B6D2-9CD2-9140-9C7C-6A15F8326A3F}" type="slidenum">
               <a:t/>
             </a:fld>
           </a:p>
@@ -3709,7 +3711,7 @@
             <a:spLocks noGrp="1" noChangeArrowheads="1"/>
             <a:extLst>
               <a:ext uri="smNativeData">
-                <pr:smNativeData xmlns:pr="smNativeData" xmlns="smNativeData" val="SMDATA_16_oViJZxMAAAAlAAAAZAAAAA8BAAAAkAAAAEgAAACQAAAASAAAAAAAAAABAAAAAAAAAAEAAABQAAAAAAAAAAAA4D8AAAAAAADgPwAAAAAAAOA/AAAAAAAA4D8AAAAAAADgPwAAAAAAAOA/AAAAAAAA4D8AAAAAAADgPwAAAAAAAOA/AAAAAAAA4D8CAAAAjAAAAAAAAAAAAAAAu+DjDP///wgAAAAAAAAAAAAAAAAAAAAAAAAAAAAAAAAAAAAAZAAAAAEAAABAAAAAAAAAAAAAAAAAAAAAAAAAAAAAAAAAAAAAAAAAAAAAAAAAAAAAAAAAAAAAAAAAAAAAAAAAAAAAAAAAAAAAAAAAAAAAAAAAAAAAAAAAAAAAAAAAAAAAFAAAADwAAAAAAAAAAAAAAAAAAAkUAAAAAQAAABQAAAAUAAAAFAAAAAEAAAAAAAAAZAAAAGQAAAAAAAAAZAAAAGQAAAAVAAAAYAAAAAAAAAAAAAAADwAAACADAAAAAAAAAAAAAAEAAACgMgAAVgcAAKr4//8BAAAAf39/AAEAAABkAAAAAAAAABQAAABAHwAAAAAAACYAAAAAAAAAwOD//wAAAAAmAAAAZAAAABYAAABMAAAAAAAAAAAAAAAEAAAAAAAAAAEAAACAgIAKAAAAACgAAAAoAAAAZAAAAGQAAAAAAAAAzMzMAAAAAABQAAAAUAAAAGQAAABkAAAAAAAAABcAAAAUAAAAAAAAAAAAAAD/fwAA/38AAAAAAAAJAAAABAAAAAAAAAAeAAAAaAAAAAAAAAAAAAAAAAAAAAAAAAAAAAAAECcAABAnAAAAAAAAAAAAAAAAAAAAAAAAAAAAAAAAAAAAAAAAAAAAABQAAAAAAAAAwMD/AAAAAABkAAAAMgAAAAAAAABkAAAAAAAAAH9/fwAKAAAAIgAAABgAAAAAAAAAAAAAAAAAAAAAAAAAAAAAAAAAAAAkAAAAJAAAAAAAAAAHAAAAAAAAAAAAAAAAAAAAAAAAAAAAAAAAAAAAf39/ACUAAABYAAAAAAAAAAAAAAAAAAAAAAAAAAAAAAAAAAAAAAAAAAAAAAAAAAAAAAAAAAAAAAA/AAAAAAAAAKCGAQAAAAAAAAAAAAAAAAAMAAAAAQAAAAAAAAAAAAAAAAAAAB8AAABUAAAAAAAABQAAAAEAAAAAAAAAAAAAAAAAAAAAAAAAAAAAAAAAAAAAAAAAAAAAAAJ/f38AAAAAA8zMzADAwP8Af39/AAAAAAAAAAAAAAAAAAAAAAAAAAAAIQAAABgAAAAUAAAAwAMAALABAABARwAAuAgAABAAAAAmAAAACAAAAAAAAAAAAAAAMAAAABQAAAAAAAAAAAD//wAAAQAAAP//AAABAA=="/>
+                <pr:smNativeData xmlns:pr="smNativeData" xmlns="smNativeData" val="SMDATA_16_zLafZxMAAAAlAAAAZAAAAA8BAAAAkAAAAEgAAACQAAAASAAAAAAAAAABAAAAAAAAAAEAAABQAAAAAAAAAAAA4D8AAAAAAADgPwAAAAAAAOA/AAAAAAAA4D8AAAAAAADgPwAAAAAAAOA/AAAAAAAA4D8AAAAAAADgPwAAAAAAAOA/AAAAAAAA4D8CAAAAjAAAAAAAAAAAAAAAu+DjDP///wgAAAAAAAAAAAAAAAAAAAAAAAAAAAAAAAAAAAAAZAAAAAEAAABAAAAAAAAAAAAAAAAAAAAAAAAAAAAAAAAAAAAAAAAAAAAAAAAAAAAAAAAAAAAAAAAAAAAAAAAAAAAAAAAAAAAAAAAAAAAAAAAAAAAAAAAAAAAAAAAAAAAAFAAAADwAAAAAAAAAAAAAAAAAAAkUAAAAAQAAABQAAAAUAAAAFAAAAAEAAAAAAAAAZAAAAGQAAAAAAAAAZAAAAGQAAAAVAAAAYAAAAAAAAAAAAAAADwAAACADAAAAAAAAAAAAAAEAAACgMgAAVgcAAKr4//8BAAAAf39/AAEAAABkAAAAAAAAABQAAABAHwAAAAAAACYAAAAAAAAAwOD//wAAAAAmAAAAZAAAABYAAABMAAAAAAAAAAAAAAAEAAAAAAAAAAEAAACAgIAKAAAAACgAAAAoAAAAZAAAAGQAAAAAAAAAzMzMAAAAAABQAAAAUAAAAGQAAABkAAAAAAAAABcAAAAUAAAAAAAAAAAAAAD/fwAA/38AAAAAAAAJAAAABAAAAAAAAAAeAAAAaAAAAAAAAAAAAAAAAAAAAAAAAAAAAAAAECcAABAnAAAAAAAAAAAAAAAAAAAAAAAAAAAAAAAAAAAAAAAAAAAAABQAAAAAAAAAwMD/AAAAAABkAAAAMgAAAAAAAABkAAAAAAAAAH9/fwAKAAAAIgAAABgAAAAAAAAAAAAAAAAAAAAAAAAAAAAAAAAAAAAkAAAAJAAAAAAAAAAHAAAAAAAAAAAAAAAAAAAAAAAAAAAAAAAAAAAAf39/ACUAAABYAAAAAAAAAAAAAAAAAAAAAAAAAAAAAAAAAAAAAAAAAAAAAAAAAAAAAAAAAAAAAAA/AAAAAAAAAKCGAQAAAAAAAAAAAAAAAAAMAAAAAQAAAAAAAAAAAAAAAAAAAB8AAABUAAAAAAAABQAAAAEAAAAAAAAAAAAAAAAAAAAAAAAAAAAAAAAAAAAAAAAAAAAAAAJ/f38AAAAAA8zMzADAwP8Af39/AAAAAAAAAAAAAAAAAAAAAAAAAAAAIQAAABgAAAAUAAAAwAMAALABAABARwAAuAgAABAAAAAmAAAACAAAAAAAAAAAAAAAMAAAABQAAAAAAAAAAAD//wAAAQAAAP//AAABAA=="/>
               </a:ext>
             </a:extLst>
           </p:cNvSpPr>
@@ -3736,7 +3738,7 @@
             <a:spLocks noGrp="1" noChangeArrowheads="1"/>
             <a:extLst>
               <a:ext uri="smNativeData">
-                <pr:smNativeData xmlns:pr="smNativeData" xmlns="smNativeData" val="SMDATA_16_oViJZxMAAAAlAAAAZAAAAA8BAAAAkAAAAEgAAACQAAAASAAAAAAAAAAAAAAAAAAAAAEAAABQAAAAAAAAAAAA4D8AAAAAAADgPwAAAAAAAOA/AAAAAAAA4D8AAAAAAADgPwAAAAAAAOA/AAAAAAAA4D8AAAAAAADgPwAAAAAAAOA/AAAAAAAA4D8CAAAAjAAAAAAAAAAAAAAAu+DjDP///wgAAAAAAAAAAAAAAAAAAAAAAAAAAAAAAAAAAAAAZAAAAAEAAABAAAAAAAAAAAAAAAAAAAAAAAAAAAAAAAAAAAAAAAAAAAAAAAAAAAAAAAAAAAAAAAAAAAAAAAAAAAAAAAAAAAAAAAAAAAAAAAAAAAAAAAAAAAAAAAAAAAAAFAAAADwAAAAAAAAAAAAAAAAAAAkUAAAAAQAAABQAAAAUAAAAFAAAAAEAAAAAAAAAZAAAAGQAAAAAAAAAZAAAAGQAAAAVAAAAYAAAAAAAAAAAAAAADwAAACADAAAAAAAAAAAAAAEAAACgMgAAVgcAAKr4//8BAAAAf39/AAEAAABkAAAAAAAAABQAAABAHwAAAAAAACYAAAAAAAAAwOD//wAAAAAmAAAAZAAAABYAAABMAAAAAAAAAAAAAAAEAAAAAAAAAAEAAACAgIAKAAAAACgAAAAoAAAAZAAAAGQAAAAAAAAAzMzMAAAAAABQAAAAUAAAAGQAAABkAAAAAAAAABcAAAAUAAAAAAAAAAAAAAD/fwAA/38AAAAAAAAJAAAABAAAAAAAAAAeAAAAaAAAAAAAAAAAAAAAAAAAAAAAAAAAAAAAECcAABAnAAAAAAAAAAAAAAAAAAAAAAAAAAAAAAAAAAAAAAAAAAAAABQAAAAAAAAAwMD/AAAAAABkAAAAMgAAAAAAAABkAAAAAAAAAH9/fwAKAAAAIgAAABgAAAAAAAAAAAAAAAAAAAAAAAAAAAAAAAAAAAAkAAAAJAAAAAAAAAAHAAAAAAAAAAAAAAAAAAAAAAAAAAAAAAAAAAAAf39/ACUAAABYAAAAAAAAAAAAAAAAAAAAAAAAAAAAAAAAAAAAAAAAAAAAAAAAAAAAAAAAAAAAAAA/AAAAAAAAAKCGAQAAAAAAAAAAAAAAAAAMAAAAAQAAAAAAAAAAAAAAAAAAAB8AAABUAAAAAAAABQAAAAEAAAAAAAAAAAAAAAAAAAAAAAAAAAAAAAAAAAAAAAAAAAAAAAJ/f38AAAAAA8zMzADAwP8Af39/AAAAAAAAAAAAAAAAAAAAAAAAAAAAIQAAABgAAAAUAAAAwAMAANgJAABARwAAsCUAABAAAAAmAAAACAAAAAAAAAAAAAAAMAAAABQAAAAAAAAAAAD//wAAAQAAAP//AAABAA=="/>
+                <pr:smNativeData xmlns:pr="smNativeData" xmlns="smNativeData" val="SMDATA_16_zLafZxMAAAAlAAAAZAAAAA8BAAAAkAAAAEgAAACQAAAASAAAAAAAAAAAAAAAAAAAAAEAAABQAAAAAAAAAAAA4D8AAAAAAADgPwAAAAAAAOA/AAAAAAAA4D8AAAAAAADgPwAAAAAAAOA/AAAAAAAA4D8AAAAAAADgPwAAAAAAAOA/AAAAAAAA4D8CAAAAjAAAAAAAAAAAAAAAu+DjDP///wgAAAAAAAAAAAAAAAAAAAAAAAAAAAAAAAAAAAAAZAAAAAEAAABAAAAAAAAAAAAAAAAAAAAAAAAAAAAAAAAAAAAAAAAAAAAAAAAAAAAAAAAAAAAAAAAAAAAAAAAAAAAAAAAAAAAAAAAAAAAAAAAAAAAAAAAAAAAAAAAAAAAAFAAAADwAAAAAAAAAAAAAAAAAAAkUAAAAAQAAABQAAAAUAAAAFAAAAAEAAAAAAAAAZAAAAGQAAAAAAAAAZAAAAGQAAAAVAAAAYAAAAAAAAAAAAAAADwAAACADAAAAAAAAAAAAAAEAAACgMgAAVgcAAKr4//8BAAAAf39/AAEAAABkAAAAAAAAABQAAABAHwAAAAAAACYAAAAAAAAAwOD//wAAAAAmAAAAZAAAABYAAABMAAAAAAAAAAAAAAAEAAAAAAAAAAEAAACAgIAKAAAAACgAAAAoAAAAZAAAAGQAAAAAAAAAzMzMAAAAAABQAAAAUAAAAGQAAABkAAAAAAAAABcAAAAUAAAAAAAAAAAAAAD/fwAA/38AAAAAAAAJAAAABAAAAAAAAAAeAAAAaAAAAAAAAAAAAAAAAAAAAAAAAAAAAAAAECcAABAnAAAAAAAAAAAAAAAAAAAAAAAAAAAAAAAAAAAAAAAAAAAAABQAAAAAAAAAwMD/AAAAAABkAAAAMgAAAAAAAABkAAAAAAAAAH9/fwAKAAAAIgAAABgAAAAAAAAAAAAAAAAAAAAAAAAAAAAAAAAAAAAkAAAAJAAAAAAAAAAHAAAAAAAAAAAAAAAAAAAAAAAAAAAAAAAAAAAAf39/ACUAAABYAAAAAAAAAAAAAAAAAAAAAAAAAAAAAAAAAAAAAAAAAAAAAAAAAAAAAAAAAAAAAAA/AAAAAAAAAKCGAQAAAAAAAAAAAAAAAAAMAAAAAQAAAAAAAAAAAAAAAAAAAB8AAABUAAAAAAAABQAAAAEAAAAAAAAAAAAAAAAAAAAAAAAAAAAAAAAAAAAAAAAAAAAAAAJ/f38AAAAAA8zMzADAwP8Af39/AAAAAAAAAAAAAAAAAAAAAAAAAAAAIQAAABgAAAAUAAAAwAMAANgJAABARwAAsCUAABAAAAAmAAAACAAAAAAAAAAAAAAAMAAAABQAAAAAAAAAAAD//wAAAQAAAP//AAABAA=="/>
               </a:ext>
             </a:extLst>
           </p:cNvSpPr>
@@ -3755,6 +3757,130 @@
             <a:r>
               <a:t>Для разработки моделей была выбрана “категория” акций: компании, которые вкладываются в технологии ИИ и/или генетические. Был разбит набор данных на train/test субъективно.</a:t>
             </a:r>
+          </a:p>
+        </p:txBody>
+      </p:sp>
+    </p:spTree>
+  </p:cSld>
+  <p:clrMapOvr>
+    <a:masterClrMapping/>
+  </p:clrMapOvr>
+  <p:timing>
+    <p:tnLst>
+      <p:par>
+        <p:cTn id="1" dur="indefinite" restart="never" nodeType="tmRoot"/>
+      </p:par>
+    </p:tnLst>
+  </p:timing>
+</p:sld>
+</file>
+
+<file path=ppt/slides/slide10.xml><?xml version="1.0" encoding="utf-8"?>
+<p:sld xmlns:p="http://schemas.openxmlformats.org/presentationml/2006/main" xmlns:mc="http://schemas.openxmlformats.org/markup-compatibility/2006" xmlns:p14="http://schemas.microsoft.com/office/powerpoint/2010/main" xmlns:p15="http://schemas.microsoft.com/office/powerpoint/2012/main" xmlns:r="http://schemas.openxmlformats.org/officeDocument/2006/relationships" xmlns:a="http://schemas.openxmlformats.org/drawingml/2006/main" mc:Ignorable="p14">
+  <p:cSld>
+    <p:spTree>
+      <p:nvGrpSpPr>
+        <p:cNvPr id="1" name=""/>
+        <p:cNvGrpSpPr/>
+        <p:nvPr/>
+      </p:nvGrpSpPr>
+      <p:grpSpPr>
+        <a:xfrm>
+          <a:off x="0" y="0"/>
+          <a:ext cx="0" cy="0"/>
+          <a:chOff x="0" y="0"/>
+          <a:chExt cx="0" cy="0"/>
+        </a:xfrm>
+      </p:grpSpPr>
+      <p:sp>
+        <p:nvSpPr>
+          <p:cNvPr id="2" name="SlideTitle1"/>
+          <p:cNvSpPr>
+            <a:spLocks noGrp="1" noChangeArrowheads="1"/>
+            <a:extLst>
+              <a:ext uri="smNativeData">
+                <pr:smNativeData xmlns:pr="smNativeData" xmlns="smNativeData" val="SMDATA_16_zLafZxMAAAAlAAAAZAAAAA8BAAAAkAAAAEgAAACQAAAASAAAAAAAAAABAAAAAAAAAAEAAABQAAAAAAAAAAAA4D8AAAAAAADgPwAAAAAAAOA/AAAAAAAA4D8AAAAAAADgPwAAAAAAAOA/AAAAAAAA4D8AAAAAAADgPwAAAAAAAOA/AAAAAAAA4D8CAAAAjAAAAAAAAAAAAAAAu+DjDP///wgAAAAAAAAAAAAAAAAAAAAAAAAAAAAAAAAAAAAAZAAAAAEAAABAAAAAAAAAAAAAAAAAAAAAAAAAAAAAAAAAAAAAAAAAAAAAAAAAAAAAAAAAAAAAAAAAAAAAAAAAAAAAAAAAAAAAAAAAAAAAAAAAAAAAAAAAAAAAAAAAAAAAFAAAADwAAAAAAAAAAAAAAAAAAAkUAAAAAQAAABQAAAAUAAAAFAAAAAEAAAAAAAAAZAAAAGQAAAAAAAAAZAAAAGQAAAAVAAAAYAAAAAAAAAAAAAAADwAAACADAAAAAAAAAAAAAAEAAACgMgAAVgcAAKr4//8BAAAAf39/AAEAAABkAAAAAAAAABQAAABAHwAAAAAAACYAAAAAAAAAwOD//wAAAAAmAAAAZAAAABYAAABMAAAAAAAAAAAAAAAEAAAAAAAAAAEAAACAgIAKAAAAACgAAAAoAAAAZAAAAGQAAAAAAAAAzMzMAAAAAABQAAAAUAAAAGQAAABkAAAAAAAAABcAAAAUAAAAAAAAAAAAAAD/fwAA/38AAAAAAAAJAAAABAAAAAAAAAAeAAAAaAAAAAAAAAAAAAAAAAAAAAAAAAAAAAAAECcAABAnAAAAAAAAAAAAAAAAAAAAAAAAAAAAAAAAAAAAAAAAAAAAABQAAAAAAAAAwMD/AAAAAABkAAAAMgAAAAAAAABkAAAAAAAAAH9/fwAKAAAAIgAAABgAAAAAAAAAAAAAAAAAAAAAAAAAAAAAAAAAAAAkAAAAJAAAAAAAAAAHAAAAAAAAAAAAAAAAAAAAAAAAAAAAAAAAAAAAf39/ACUAAABYAAAAAAAAAAAAAAAAAAAAAAAAAAAAAAAAAAAAAAAAAAAAAAAAAAAAAAAAAAAAAAA/AAAAAAAAAKCGAQAAAAAAAAAAAAAAAAAMAAAAAQAAAAAAAAAAAAAAAAAAAB8AAABUAAAAAAAABQAAAAEAAAAAAAAAAAAAAAAAAAAAAAAAAAAAAAAAAAAAAAAAAAAAAAJ/f38AAAAAA8zMzADAwP8Af39/AAAAAAAAAAAAAAAAAAAAAAAAAAAAIQAAABgAAAAUAAAAwAMAALABAABARwAAuAgAABAAAAAmAAAACAAAAAAAAAAAAAAAMAAAABQAAAAAAAAAAAD//wAAAQAAAP//AAABAA=="/>
+              </a:ext>
+            </a:extLst>
+          </p:cNvSpPr>
+          <p:nvPr>
+            <p:ph type="title"/>
+          </p:nvPr>
+        </p:nvSpPr>
+        <p:spPr/>
+        <p:txBody>
+          <a:bodyPr/>
+          <a:lstStyle/>
+          <a:p>
+            <a:pPr marL="0" indent="0">
+              <a:buNone/>
+            </a:pPr>
+            <a:r>
+              <a:t>Использование модели позволяет</a:t>
+            </a:r>
+          </a:p>
+        </p:txBody>
+      </p:sp>
+      <p:sp>
+        <p:nvSpPr>
+          <p:cNvPr id="3" name="SlideText1"/>
+          <p:cNvSpPr>
+            <a:spLocks noGrp="1" noChangeArrowheads="1"/>
+            <a:extLst>
+              <a:ext uri="smNativeData">
+                <pr:smNativeData xmlns:pr="smNativeData" xmlns="smNativeData" val="SMDATA_16_zLafZxMAAAAlAAAAZAAAAA8BAAAAkAAAAEgAAACQAAAASAAAAAAAAAAAAAAAAAAAAAEAAABQAAAAAAAAAAAA4D8AAAAAAADgPwAAAAAAAOA/AAAAAAAA4D8AAAAAAADgPwAAAAAAAOA/AAAAAAAA4D8AAAAAAADgPwAAAAAAAOA/AAAAAAAA4D8CAAAAjAAAAAAAAAAAAAAAu+DjDP///wgAAAAAAAAAAAAAAAAAAAAAAAAAAAAAAAAAAAAAZAAAAAEAAABAAAAAAAAAAAAAAAAAAAAAAAAAAAAAAAAAAAAAAAAAAAAAAAAAAAAAAAAAAAAAAAAAAAAAAAAAAAAAAAAAAAAAAAAAAAAAAAAAAAAAAAAAAAAAAAAAAAAAFAAAADwAAAAAAAAAAAAAAAAAAAkUAAAAAQAAABQAAAAUAAAAFAAAAAEAAAAAAAAAZAAAAGQAAAAAAAAAZAAAAGQAAAAVAAAAYAAAAAAAAAAAAAAADwAAACADAAAAAAAAAAAAAAEAAACgMgAAVgcAAKr4//8BAAAAf39/AAEAAABkAAAAAAAAABQAAABAHwAAAAAAACYAAAAAAAAAwOD//wAAAAAmAAAAZAAAABYAAABMAAAAAAAAAAAAAAAEAAAAAAAAAAEAAACAgIAKAAAAACgAAAAoAAAAZAAAAGQAAAAAAAAAzMzMAAAAAABQAAAAUAAAAGQAAABkAAAAAAAAABcAAAAUAAAAAAAAAAAAAAD/fwAA/38AAAAAAAAJAAAABAAAAAAAAAAeAAAAaAAAAAAAAAAAAAAAAAAAAAAAAAAAAAAAECcAABAnAAAAAAAAAAAAAAAAAAAAAAAAAAAAAAAAAAAAAAAAAAAAABQAAAAAAAAAwMD/AAAAAABkAAAAMgAAAAAAAABkAAAAAAAAAH9/fwAKAAAAIgAAABgAAAAAAAAAAAAAAAAAAAAAAAAAAAAAAAAAAAAkAAAAJAAAAAAAAAAHAAAAAAAAAAAAAAAAAAAAAAAAAAAAAAAAAAAAf39/ACUAAABYAAAAAAAAAAAAAAAAAAAAAAAAAAAAAAAAAAAAAAAAAAAAAAAAAAAAAAAAAAAAAAA/AAAAAAAAAKCGAQAAAAAAAAAAAAAAAAAMAAAAAQAAAAAAAAAAAAAAAAAAAB8AAABUAAAAAAAABQAAAAEAAAAAAAAAAAAAAAAAAAAAAAAAAAAAAAAAAAAAAAAAAAAAAAJ/f38AAAAAA8zMzADAwP8Af39/AAAAAAAAAAAAAAAAAAAAAAAAAAAAIQAAABgAAAAUAAAAwAMAANgJAABARwAAsCUAABAAAAAmAAAACAAAAAAAAAAAAAAAMAAAABQAAAAAAAAAAAD//wAAAQAAAP//AAABAA=="/>
+              </a:ext>
+            </a:extLst>
+          </p:cNvSpPr>
+          <p:nvPr>
+            <p:ph type="body" idx="1"/>
+          </p:nvPr>
+        </p:nvSpPr>
+        <p:spPr/>
+        <p:txBody>
+          <a:bodyPr/>
+          <a:lstStyle/>
+          <a:p>
+            <a:pPr marL="0" indent="0">
+              <a:buNone/>
+              <a:defRPr sz="2200" cap="none"/>
+            </a:pPr>
+            <a:r>
+              <a:t>- расширить число акций в активе, потому что модель фильтрует акции беспристрастно и внимательно с высоким покрытием, исключается человеческий фактор;</a:t>
+            </a:r>
+          </a:p>
+          <a:p>
+            <a:pPr marL="0" indent="0">
+              <a:buNone/>
+              <a:defRPr sz="2200" cap="none"/>
+            </a:pPr>
+            <a:r>
+              <a:t>- пользователь автоматически получит информацию о новых появляющихся на бирже компаниях, которые будут захвачены классификатором;</a:t>
+            </a:r>
+          </a:p>
+          <a:p>
+            <a:pPr marL="0" indent="0">
+              <a:buNone/>
+              <a:defRPr sz="2200" cap="none"/>
+            </a:pPr>
+            <a:r>
+              <a:t>- исследовать рынок по выбранному категориальному критерию, потому что модель может «заметить» акции, на которые не обратил внимание человек (например, в случаях, когда неочевидно, что акция на самом деле подходит под критерии, а модель такие случаи может обнаружить) и привести к некоторым «открытиям»;</a:t>
+            </a:r>
+          </a:p>
+          <a:p>
+            <a:pPr marL="0" indent="0">
+              <a:buNone/>
+              <a:defRPr sz="2200" cap="none"/>
+            </a:pPr>
+            <a:r>
+              <a:t>- также, модель экономит время при многократном/периодическом использовании inference, потому что человеку пришлось бы неоднократно просматривать и анализировать информацию по всем акциям, на такую работу ушло бы больше времени. </a:t>
+            </a:r>
+          </a:p>
+          <a:p>
+            <a:pPr marL="0" indent="0">
+              <a:buNone/>
+              <a:defRPr sz="2200" cap="none"/>
+            </a:pPr>
           </a:p>
         </p:txBody>
       </p:sp>
@@ -3797,7 +3923,7 @@
             <a:spLocks noGrp="1" noChangeArrowheads="1"/>
             <a:extLst>
               <a:ext uri="smNativeData">
-                <pr:smNativeData xmlns:pr="smNativeData" xmlns="smNativeData" val="SMDATA_16_oViJZxMAAAAlAAAAZAAAAA8BAAAAkAAAAEgAAACQAAAASAAAAAAAAAABAAAAAAAAAAEAAABQAAAAAAAAAAAA4D8AAAAAAADgPwAAAAAAAOA/AAAAAAAA4D8AAAAAAADgPwAAAAAAAOA/AAAAAAAA4D8AAAAAAADgPwAAAAAAAOA/AAAAAAAA4D8CAAAAjAAAAAAAAAAAAAAAu+DjDP///wgAAAAAAAAAAAAAAAAAAAAAAAAAAAAAAAAAAAAAZAAAAAEAAABAAAAAAAAAAAAAAAAAAAAAAAAAAAAAAAAAAAAAAAAAAAAAAAAAAAAAAAAAAAAAAAAAAAAAAAAAAAAAAAAAAAAAAAAAAAAAAAAAAAAAAAAAAAAAAAAAAAAAFAAAADwAAAAAAAAAAAAAAAAAAAkUAAAAAQAAABQAAAAUAAAAFAAAAAEAAAAAAAAAZAAAAGQAAAAAAAAAZAAAAGQAAAAVAAAAYAAAAAAAAAAAAAAADwAAACADAAAAAAAAAAAAAAEAAACgMgAAVgcAAKr4//8BAAAAf39/AAEAAABkAAAAAAAAABQAAABAHwAAAAAAACYAAAAAAAAAwOD//wAAAAAmAAAAZAAAABYAAABMAAAAAAAAAAAAAAAEAAAAAAAAAAEAAACAgIAKAAAAACgAAAAoAAAAZAAAAGQAAAAAAAAAzMzMAAAAAABQAAAAUAAAAGQAAABkAAAAAAAAABcAAAAUAAAAAAAAAAAAAAD/fwAA/38AAAAAAAAJAAAABAAAAAAAAAAeAAAAaAAAAAAAAAAAAAAAAAAAAAAAAAAAAAAAECcAABAnAAAAAAAAAAAAAAAAAAAAAAAAAAAAAAAAAAAAAAAAAAAAABQAAAAAAAAAwMD/AAAAAABkAAAAMgAAAAAAAABkAAAAAAAAAH9/fwAKAAAAIgAAABgAAAAAAAAAAAAAAAAAAAAAAAAAAAAAAAAAAAAkAAAAJAAAAAAAAAAHAAAAAAAAAAAAAAAAAAAAAAAAAAAAAAAAAAAAf39/ACUAAABYAAAAAAAAAAAAAAAAAAAAAAAAAAAAAAAAAAAAAAAAAAAAAAAAAAAAAAAAAAAAAAA/AAAAAAAAAKCGAQAAAAAAAAAAAAAAAAAMAAAAAQAAAAAAAAAAAAAAAAAAAB8AAABUAAAAAAAABQAAAAEAAAAAAAAAAAAAAAAAAAAAAAAAAAAAAAAAAAAAAAAAAAAAAAJ/f38AAAAAA8zMzADAwP8Af39/AAAAAAAAAAAAAAAAAAAAAAAAAAAAIQAAABgAAAAUAAAAwAMAALABAABARwAAuAgAABAAAAAmAAAACAAAAAAAAAAAAAAAMAAAABQAAAAAAAAAAAD//wAAAQAAAP//AAABAA=="/>
+                <pr:smNativeData xmlns:pr="smNativeData" xmlns="smNativeData" val="SMDATA_16_zLafZxMAAAAlAAAAZAAAAA8BAAAAkAAAAEgAAACQAAAASAAAAAAAAAABAAAAAAAAAAEAAABQAAAAAAAAAAAA4D8AAAAAAADgPwAAAAAAAOA/AAAAAAAA4D8AAAAAAADgPwAAAAAAAOA/AAAAAAAA4D8AAAAAAADgPwAAAAAAAOA/AAAAAAAA4D8CAAAAjAAAAAAAAAAAAAAAu+DjDP///wgAAAAAAAAAAAAAAAAAAAAAAAAAAAAAAAAAAAAAZAAAAAEAAABAAAAAAAAAAAAAAAAAAAAAAAAAAAAAAAAAAAAAAAAAAAAAAAAAAAAAAAAAAAAAAAAAAAAAAAAAAAAAAAAAAAAAAAAAAAAAAAAAAAAAAAAAAAAAAAAAAAAAFAAAADwAAAAAAAAAAAAAAAAAAAkUAAAAAQAAABQAAAAUAAAAFAAAAAEAAAAAAAAAZAAAAGQAAAAAAAAAZAAAAGQAAAAVAAAAYAAAAAAAAAAAAAAADwAAACADAAAAAAAAAAAAAAEAAACgMgAAVgcAAKr4//8BAAAAf39/AAEAAABkAAAAAAAAABQAAABAHwAAAAAAACYAAAAAAAAAwOD//wAAAAAmAAAAZAAAABYAAABMAAAAAAAAAAAAAAAEAAAAAAAAAAEAAACAgIAKAAAAACgAAAAoAAAAZAAAAGQAAAAAAAAAzMzMAAAAAABQAAAAUAAAAGQAAABkAAAAAAAAABcAAAAUAAAAAAAAAAAAAAD/fwAA/38AAAAAAAAJAAAABAAAAAAAAAAeAAAAaAAAAAAAAAAAAAAAAAAAAAAAAAAAAAAAECcAABAnAAAAAAAAAAAAAAAAAAAAAAAAAAAAAAAAAAAAAAAAAAAAABQAAAAAAAAAwMD/AAAAAABkAAAAMgAAAAAAAABkAAAAAAAAAH9/fwAKAAAAIgAAABgAAAAAAAAAAAAAAAAAAAAAAAAAAAAAAAAAAAAkAAAAJAAAAAAAAAAHAAAAAAAAAAAAAAAAAAAAAAAAAAAAAAAAAAAAf39/ACUAAABYAAAAAAAAAAAAAAAAAAAAAAAAAAAAAAAAAAAAAAAAAAAAAAAAAAAAAAAAAAAAAAA/AAAAAAAAAKCGAQAAAAAAAAAAAAAAAAAMAAAAAQAAAAAAAAAAAAAAAAAAAB8AAABUAAAAAAAABQAAAAEAAAAAAAAAAAAAAAAAAAAAAAAAAAAAAAAAAAAAAAAAAAAAAAJ/f38AAAAAA8zMzADAwP8Af39/AAAAAAAAAAAAAAAAAAAAAAAAAAAAIQAAABgAAAAUAAAAwAMAALABAABARwAAuAgAABAAAAAmAAAACAAAAAAAAAAAAAAAMAAAABQAAAAAAAAAAAD//wAAAQAAAP//AAABAA=="/>
               </a:ext>
             </a:extLst>
           </p:cNvSpPr>
@@ -3826,7 +3952,7 @@
             <a:spLocks noGrp="1" noChangeArrowheads="1"/>
             <a:extLst>
               <a:ext uri="smNativeData">
-                <pr:smNativeData xmlns:pr="smNativeData" xmlns="smNativeData" val="SMDATA_16_oViJZxMAAAAlAAAAZAAAAA8BAAAAkAAAAEgAAACQAAAASAAAAAAAAAAAAAAAAAAAAAEAAABQAAAAAAAAAAAA4D8AAAAAAADgPwAAAAAAAOA/AAAAAAAA4D8AAAAAAADgPwAAAAAAAOA/AAAAAAAA4D8AAAAAAADgPwAAAAAAAOA/AAAAAAAA4D8CAAAAjAAAAAAAAAAAAAAAu+DjDP///wgAAAAAAAAAAAAAAAAAAAAAAAAAAAAAAAAAAAAAZAAAAAEAAABAAAAAAAAAAAAAAAAAAAAAAAAAAAAAAAAAAAAAAAAAAAAAAAAAAAAAAAAAAAAAAAAAAAAAAAAAAAAAAAAAAAAAAAAAAAAAAAAAAAAAAAAAAAAAAAAAAAAAFAAAADwAAAAAAAAAAAAAAAAAAAkUAAAAAQAAABQAAAAUAAAAFAAAAAEAAAAAAAAAZAAAAGQAAAAAAAAAZAAAAGQAAAAVAAAAYAAAAAAAAAAAAAAADwAAACADAAAAAAAAAAAAAAEAAACgMgAAVgcAAKr4//8BAAAAf39/AAEAAABkAAAAAAAAABQAAABAHwAAAAAAACYAAAAAAAAAwOD//wAAAAAmAAAAZAAAABYAAABMAAAAAAAAAAAAAAAEAAAAAAAAAAEAAACAgIAKAAAAACgAAAAoAAAAZAAAAGQAAAAAAAAAzMzMAAAAAABQAAAAUAAAAGQAAABkAAAAAAAAABcAAAAUAAAAAAAAAAAAAAD/fwAA/38AAAAAAAAJAAAABAAAAJQyrcweAAAAaAAAAAAAAAAAAAAAAAAAAAAAAAAAAAAAECcAABAnAAAAAAAAAAAAAAAAAAAAAAAAAAAAAAAAAAAAAAAAAAAAABQAAAAAAAAAwMD/AAAAAABkAAAAMgAAAAAAAABkAAAAAAAAAH9/fwAKAAAAIgAAABgAAAAAAAAAAAAAAAAAAAAAAAAAAAAAAAAAAAAkAAAAJAAAAAAAAAAHAAAAAAAAAAAAAAAAAAAAAAAAAAAAAAAAAAAAf39/ACUAAABYAAAAAAAAAAAAAAAAAAAAAAAAAAAAAAAAAAAAAAAAAAAAAAAAAAAAAAAAAAAAAAA/AAAAAAAAAKCGAQAAAAAAAAAAAAAAAAAMAAAAAQAAAAAAAAAAAAAAAAAAAB8AAABUAAAAAAAABQAAAAEAAAAAAAAAAAAAAAAAAAAAAAAAAAAAAAAAAAAAAAAAAAAAAAJ/f38AAAAAA8zMzADAwP8Af39/AAAAAAAAAAAAAAAAAAAAAAAAAAAAIQAAABgAAAAUAAAAwAMAANgJAABARwAAsCUAABAAAAAmAAAACAAAAAAAAAAAAAAAMAAAABQAAAAAAAAAAAD//wAAAQAAAP//AAABAA=="/>
+                <pr:smNativeData xmlns:pr="smNativeData" xmlns="smNativeData" val="SMDATA_16_zLafZxMAAAAlAAAAZAAAAA8BAAAAkAAAAEgAAACQAAAASAAAAAAAAAAAAAAAAAAAAAEAAABQAAAAAAAAAAAA4D8AAAAAAADgPwAAAAAAAOA/AAAAAAAA4D8AAAAAAADgPwAAAAAAAOA/AAAAAAAA4D8AAAAAAADgPwAAAAAAAOA/AAAAAAAA4D8CAAAAjAAAAAAAAAAAAAAAu+DjDP///wgAAAAAAAAAAAAAAAAAAAAAAAAAAAAAAAAAAAAAZAAAAAEAAABAAAAAAAAAAAAAAAAAAAAAAAAAAAAAAAAAAAAAAAAAAAAAAAAAAAAAAAAAAAAAAAAAAAAAAAAAAAAAAAAAAAAAAAAAAAAAAAAAAAAAAAAAAAAAAAAAAAAAFAAAADwAAAAAAAAAAAAAAAAAAAkUAAAAAQAAABQAAAAUAAAAFAAAAAEAAAAAAAAAZAAAAGQAAAAAAAAAZAAAAGQAAAAVAAAAYAAAAAAAAAAAAAAADwAAACADAAAAAAAAAAAAAAEAAACgMgAAVgcAAKr4//8BAAAAf39/AAEAAABkAAAAAAAAABQAAABAHwAAAAAAACYAAAAAAAAAwOD//wAAAAAmAAAAZAAAABYAAABMAAAAAAAAAAAAAAAEAAAAAAAAAAEAAACAgIAKAAAAACgAAAAoAAAAZAAAAGQAAAAAAAAAzMzMAAAAAABQAAAAUAAAAGQAAABkAAAAAAAAABcAAAAUAAAAAAAAAAAAAAD/fwAA/38AAAAAAAAJAAAABAAAAJQyrcweAAAAaAAAAAAAAAAAAAAAAAAAAAAAAAAAAAAAECcAABAnAAAAAAAAAAAAAAAAAAAAAAAAAAAAAAAAAAAAAAAAAAAAABQAAAAAAAAAwMD/AAAAAABkAAAAMgAAAAAAAABkAAAAAAAAAH9/fwAKAAAAIgAAABgAAAAAAAAAAAAAAAAAAAAAAAAAAAAAAAAAAAAkAAAAJAAAAAAAAAAHAAAAAAAAAAAAAAAAAAAAAAAAAAAAAAAAAAAAf39/ACUAAABYAAAAAAAAAAAAAAAAAAAAAAAAAAAAAAAAAAAAAAAAAAAAAAAAAAAAAAAAAAAAAAA/AAAAAAAAAKCGAQAAAAAAAAAAAAAAAAAMAAAAAQAAAAAAAAAAAAAAAAAAAB8AAABUAAAAAAAABQAAAAEAAAAAAAAAAAAAAAAAAAAAAAAAAAAAAAAAAAAAAAAAAAAAAAJ/f38AAAAAA8zMzADAwP8Af39/AAAAAAAAAAAAAAAAAAAAAAAAAAAAIQAAABgAAAAUAAAAwAMAANgJAABARwAAsCUAABAAAAAmAAAACAAAAAAAAAAAAAAAMAAAABQAAAAAAAAAAAD//wAAAQAAAP//AAABAA=="/>
               </a:ext>
             </a:extLst>
           </p:cNvSpPr>
@@ -3860,7 +3986,7 @@
             <a:picLocks noChangeAspect="1"/>
             <a:extLst>
               <a:ext uri="smNativeData">
-                <pr:smNativeData xmlns:pr="smNativeData" xmlns="smNativeData" val="SMDATA_18_oViJZxMAAAAlAAAAEQAAAC8BAAAAkAAAAEgAAACQAAAASAAAAAAAAAAAAAAAAAAAAAEAAABQAAAAAAAAAAAA4D8AAAAAAADgPwAAAAAAAOA/AAAAAAAA4D8AAAAAAADgPwAAAAAAAOA/AAAAAAAA4D8AAAAAAADgPwAAAAAAAOA/AAAAAAAA4D8CAAAAjAAAAAAAAAAAAAAAu+DjDP///wgAAAAAAAAAAAAAAAAAAAAAAAAAAAAAAAAAAAAAZAAAAAEAAABAAAAAAAAAAAAAAAAAAAAAAAAAAAAAAAAAAAAAAAAAAAAAAAAAAAAAAAAAAAAAAAAAAAAAAAAAAAAAAAAAAAAAAAAAAAAAAAAAAAAAAAAAAAAAAAAAAAAAFAAAADwAAAAAAAAAAAAAAAAAAAkUAAAAAQAAABQAAAAUAAAAFAAAAAEAAAAAAAAAZAAAAGQAAAAAAAAAZAAAAGQAAAAVAAAAYAAAAAAAAAAAAAAADwAAACADAAAAAAAAAAAAAAEAAACgMgAAVgcAAKr4//8BAAAAf39/AAEAAABkAAAAAAAAABQAAABAHwAAAAAAACYAAAAAAAAAwOD//wAAAAAmAAAAZAAAABYAAABMAAAAAAAAAAAAAAAEAAAAAAAAAAEAAACAgIAKAAAAACgAAAAoAAAAZAAAAGQAAAAAAAAAzMzMAAAAAABQAAAAUAAAAGQAAABkAAAAAAAAAAcAAAA4AAAAAAAAAAAAAAAAAAAA////AAAAAAAAAAAAAAAAAAAAAAAAAAAAAAAAAAAAAABkAAAAZAAAAAAAAAAjAAAABAAAAGQAAAAXAAAAFAAAAAAAAAAAAAAA/38AAP9/AAAAAAAACQAAAAQAAABlAAAAHgAAAGgAAAAAAAAAAAAAAAAAAAAAAAAAAAAAABAnAAAQJwAAAAAAAAAAAAAAAAAAAAAAAAAAAAAAAAAAAAAAAAAAAAAUAAAAAAAAAMDA/wAAAAAAZAAAADIAAAAAAAAAZAAAAAAAAAB/f38ACgAAACIAAAAYAAAAAAAAAAAAAAAAAAAAAAAAAAAAAAAAAAAAJAAAACQAAAAAAAAABwAAAAAAAAAAAAAAAAAAAAAAAAAAAAAAAAAAAH9/fwAlAAAAWAAAAAAAAAAAAAAAAAAAAAAAAAAAAAAAAAAAAAAAAAAAAAAAAAAAAAAAAAAAAAAAPwAAAAAAAACghgEAAAAAAAAAAAAAAAAADAAAAAEAAAAAAAAAAAAAAAAAAAAfAAAAVAAAALvg4wX///8BAAAAAAAAAAAAAAAAAAAAAAAAAAAAAAAAAAAAAAAAAAAAAAACf39/AICAgAPMzMwAwMD/AH9/fwAAAAAAAAAAAAAAAAD///8AAAAAACEAAAAYAAAAFAAAAMADAABHGAAAdEUAAG4iAAAQAAAAJgAAAAgAAAD//////////zAAAAAUAAAAAAAAAAAA//8AAAEAAAD//wAAAQA="/>
+                <pr:smNativeData xmlns:pr="smNativeData" xmlns="smNativeData" val="SMDATA_18_zLafZxMAAAAlAAAAEQAAAC8BAAAAkAAAAEgAAACQAAAASAAAAAAAAAAAAAAAAAAAAAEAAABQAAAAAAAAAAAA4D8AAAAAAADgPwAAAAAAAOA/AAAAAAAA4D8AAAAAAADgPwAAAAAAAOA/AAAAAAAA4D8AAAAAAADgPwAAAAAAAOA/AAAAAAAA4D8CAAAAjAAAAAAAAAAAAAAAu+DjDP///wgAAAAAAAAAAAAAAAAAAAAAAAAAAAAAAAAAAAAAZAAAAAEAAABAAAAAAAAAAAAAAAAAAAAAAAAAAAAAAAAAAAAAAAAAAAAAAAAAAAAAAAAAAAAAAAAAAAAAAAAAAAAAAAAAAAAAAAAAAAAAAAAAAAAAAAAAAAAAAAAAAAAAFAAAADwAAAAAAAAAAAAAAAAAAAkUAAAAAQAAABQAAAAUAAAAFAAAAAEAAAAAAAAAZAAAAGQAAAAAAAAAZAAAAGQAAAAVAAAAYAAAAAAAAAAAAAAADwAAACADAAAAAAAAAAAAAAEAAACgMgAAVgcAAKr4//8BAAAAf39/AAEAAABkAAAAAAAAABQAAABAHwAAAAAAACYAAAAAAAAAwOD//wAAAAAmAAAAZAAAABYAAABMAAAAAAAAAAAAAAAEAAAAAAAAAAEAAACAgIAKAAAAACgAAAAoAAAAZAAAAGQAAAAAAAAAzMzMAAAAAABQAAAAUAAAAGQAAABkAAAAAAAAAAcAAAA4AAAAAAAAAAAAAAAAAAAA////AAAAAAAAAAAAAAAAAAAAAAAAAAAAAAAAAAAAAABkAAAAZAAAAAAAAAAjAAAABAAAAGQAAAAXAAAAFAAAAAAAAAAAAAAA/38AAP9/AAAAAAAACQAAAAQAAABlAAAAHgAAAGgAAAAAAAAAAAAAAAAAAAAAAAAAAAAAABAnAAAQJwAAAAAAAAAAAAAAAAAAAAAAAAAAAAAAAAAAAAAAAAAAAAAUAAAAAAAAAMDA/wAAAAAAZAAAADIAAAAAAAAAZAAAAAAAAAB/f38ACgAAACIAAAAYAAAAAAAAAAAAAAAAAAAAAAAAAAAAAAAAAAAAJAAAACQAAAAAAAAABwAAAAAAAAAAAAAAAAAAAAAAAAAAAAAAAAAAAH9/fwAlAAAAWAAAAAAAAAAAAAAAAAAAAAAAAAAAAAAAAAAAAAAAAAAAAAAAAAAAAAAAAAAAAAAAPwAAAAAAAACghgEAAAAAAAAAAAAAAAAADAAAAAEAAAAAAAAAAAAAAAAAAAAfAAAAVAAAALvg4wX///8BAAAAAAAAAAAAAAAAAAAAAAAAAAAAAAAAAAAAAAAAAAAAAAACf39/AICAgAPMzMwAwMD/AH9/fwAAAAAAAAAAAAAAAAD///8AAAAAACEAAAAYAAAAFAAAAMADAABHGAAAdEUAAG4iAAAQAAAAJgAAAAgAAAD//////////zAAAAAUAAAAAAAAAAAA//8AAAEAAAD//wAAAQA="/>
               </a:ext>
             </a:extLst>
           </p:cNvPicPr>
@@ -3926,7 +4052,7 @@
             <a:spLocks noGrp="1" noChangeArrowheads="1"/>
             <a:extLst>
               <a:ext uri="smNativeData">
-                <pr:smNativeData xmlns:pr="smNativeData" xmlns="smNativeData" val="SMDATA_16_oViJZxMAAAAlAAAAZAAAAA8BAAAAkAAAAEgAAACQAAAASAAAAAAAAAABAAAAAAAAAAEAAABQAAAAAAAAAAAA4D8AAAAAAADgPwAAAAAAAOA/AAAAAAAA4D8AAAAAAADgPwAAAAAAAOA/AAAAAAAA4D8AAAAAAADgPwAAAAAAAOA/AAAAAAAA4D8CAAAAjAAAAAAAAAAAAAAAu+DjDP///wgAAAAAAAAAAAAAAAAAAAAAAAAAAAAAAAAAAAAAZAAAAAEAAABAAAAAAAAAAAAAAAAAAAAAAAAAAAAAAAAAAAAAAAAAAAAAAAAAAAAAAAAAAAAAAAAAAAAAAAAAAAAAAAAAAAAAAAAAAAAAAAAAAAAAAAAAAAAAAAAAAAAAFAAAADwAAAAAAAAAAAAAAAAAAAkUAAAAAQAAABQAAAAUAAAAFAAAAAEAAAAAAAAAZAAAAGQAAAAAAAAAZAAAAGQAAAAVAAAAYAAAAAAAAAAAAAAADwAAACADAAAAAAAAAAAAAAEAAACgMgAAVgcAAKr4//8BAAAAf39/AAEAAABkAAAAAAAAABQAAABAHwAAAAAAACYAAAAAAAAAwOD//wAAAAAmAAAAZAAAABYAAABMAAAAAAAAAAAAAAAEAAAAAAAAAAEAAACAgIAKAAAAACgAAAAoAAAAZAAAAGQAAAAAAAAAzMzMAAAAAABQAAAAUAAAAGQAAABkAAAAAAAAABcAAAAUAAAAAAAAAAAAAAD/fwAA/38AAAAAAAAJAAAABAAAAO8CAAAeAAAAaAAAAAAAAAAAAAAAAAAAAAAAAAAAAAAAECcAABAnAAAAAAAAAAAAAAAAAAAAAAAAAAAAAAAAAAAAAAAAAAAAABQAAAAAAAAAwMD/AAAAAABkAAAAMgAAAAAAAABkAAAAAAAAAH9/fwAKAAAAIgAAABgAAAAAAAAAAAAAAAAAAAAAAAAAAAAAAAAAAAAkAAAAJAAAAAAAAAAHAAAAAAAAAAAAAAAAAAAAAAAAAAAAAAAAAAAAf39/ACUAAABYAAAAAAAAAAAAAAAAAAAAAAAAAAAAAAAAAAAAAAAAAAAAAAAAAAAAAAAAAAAAAAA/AAAAAAAAAKCGAQAAAAAAAAAAAAAAAAAMAAAAAQAAAAAAAAAAAAAAAAAAAB8AAABUAAAAAAAABQAAAAEAAAAAAAAAAAAAAAAAAAAAAAAAAAAAAAAAAAAAAAAAAAAAAAJ/f38AAAAAA8zMzADAwP8Af39/AAAAAAAAAAAAAAAAAAAAAAAAAAAAIQAAABgAAAAUAAAAwAMAALABAABARwAAuAgAABAAAAAmAAAACAAAAAAAAAAAAAAAMAAAABQAAAAAAAAAAAD//wAAAQAAAP//AAABAA=="/>
+                <pr:smNativeData xmlns:pr="smNativeData" xmlns="smNativeData" val="SMDATA_16_zLafZxMAAAAlAAAAZAAAAA8BAAAAkAAAAEgAAACQAAAASAAAAAAAAAABAAAAAAAAAAEAAABQAAAAAAAAAAAA4D8AAAAAAADgPwAAAAAAAOA/AAAAAAAA4D8AAAAAAADgPwAAAAAAAOA/AAAAAAAA4D8AAAAAAADgPwAAAAAAAOA/AAAAAAAA4D8CAAAAjAAAAAAAAAAAAAAAu+DjDP///wgAAAAAAAAAAAAAAAAAAAAAAAAAAAAAAAAAAAAAZAAAAAEAAABAAAAAAAAAAAAAAAAAAAAAAAAAAAAAAAAAAAAAAAAAAAAAAAAAAAAAAAAAAAAAAAAAAAAAAAAAAAAAAAAAAAAAAAAAAAAAAAAAAAAAAAAAAAAAAAAAAAAAFAAAADwAAAAAAAAAAAAAAAAAAAkUAAAAAQAAABQAAAAUAAAAFAAAAAEAAAAAAAAAZAAAAGQAAAAAAAAAZAAAAGQAAAAVAAAAYAAAAAAAAAAAAAAADwAAACADAAAAAAAAAAAAAAEAAACgMgAAVgcAAKr4//8BAAAAf39/AAEAAABkAAAAAAAAABQAAABAHwAAAAAAACYAAAAAAAAAwOD//wAAAAAmAAAAZAAAABYAAABMAAAAAAAAAAAAAAAEAAAAAAAAAAEAAACAgIAKAAAAACgAAAAoAAAAZAAAAGQAAAAAAAAAzMzMAAAAAABQAAAAUAAAAGQAAABkAAAAAAAAABcAAAAUAAAAAAAAAAAAAAD/fwAA/38AAAAAAAAJAAAABAAAAO8CAAAeAAAAaAAAAAAAAAAAAAAAAAAAAAAAAAAAAAAAECcAABAnAAAAAAAAAAAAAAAAAAAAAAAAAAAAAAAAAAAAAAAAAAAAABQAAAAAAAAAwMD/AAAAAABkAAAAMgAAAAAAAABkAAAAAAAAAH9/fwAKAAAAIgAAABgAAAAAAAAAAAAAAAAAAAAAAAAAAAAAAAAAAAAkAAAAJAAAAAAAAAAHAAAAAAAAAAAAAAAAAAAAAAAAAAAAAAAAAAAAf39/ACUAAABYAAAAAAAAAAAAAAAAAAAAAAAAAAAAAAAAAAAAAAAAAAAAAAAAAAAAAAAAAAAAAAA/AAAAAAAAAKCGAQAAAAAAAAAAAAAAAAAMAAAAAQAAAAAAAAAAAAAAAAAAAB8AAABUAAAAAAAABQAAAAEAAAAAAAAAAAAAAAAAAAAAAAAAAAAAAAAAAAAAAAAAAAAAAAJ/f38AAAAAA8zMzADAwP8Af39/AAAAAAAAAAAAAAAAAAAAAAAAAAAAIQAAABgAAAAUAAAAwAMAALABAABARwAAuAgAABAAAAAmAAAACAAAAAAAAAAAAAAAMAAAABQAAAAAAAAAAAD//wAAAQAAAP//AAABAA=="/>
               </a:ext>
             </a:extLst>
           </p:cNvSpPr>
@@ -3953,7 +4079,7 @@
             <a:spLocks noGrp="1" noChangeArrowheads="1"/>
             <a:extLst>
               <a:ext uri="smNativeData">
-                <pr:smNativeData xmlns:pr="smNativeData" xmlns="smNativeData" val="SMDATA_16_oViJZxMAAAAlAAAAZAAAAA8BAAAAkAAAAEgAAACQAAAASAAAAAAAAAAAAAAAAAAAAAEAAABQAAAAAAAAAAAA4D8AAAAAAADgPwAAAAAAAOA/AAAAAAAA4D8AAAAAAADgPwAAAAAAAOA/AAAAAAAA4D8AAAAAAADgPwAAAAAAAOA/AAAAAAAA4D8CAAAAjAAAAAAAAAAAAAAAu+DjDP///wgAAAAAAAAAAAAAAAAAAAAAAAAAAAAAAAAAAAAAZAAAAAEAAABAAAAAAAAAAAAAAAAAAAAAAAAAAAAAAAAAAAAAAAAAAAAAAAAAAAAAAAAAAAAAAAAAAAAAAAAAAAAAAAAAAAAAAAAAAAAAAAAAAAAAAAAAAAAAAAAAAAAAFAAAADwAAAAAAAAAAAAAAAAAAAkUAAAAAQAAABQAAAAUAAAAFAAAAAEAAAAAAAAAZAAAAGQAAAAAAAAAZAAAAGQAAAAVAAAAYAAAAAAAAAAAAAAADwAAACADAAAAAAAAAAAAAAEAAACgMgAAVgcAAKr4//8BAAAAf39/AAEAAABkAAAAAAAAABQAAABAHwAAAAAAACYAAAAAAAAAwOD//wAAAAAmAAAAZAAAABYAAABMAAAAAAAAAAAAAAAEAAAAAAAAAAEAAACAgIAKAAAAACgAAAAoAAAAZAAAAGQAAAAAAAAAzMzMAAAAAABQAAAAUAAAAGQAAABkAAAAAAAAABcAAAAUAAAAAAAAAAAAAAD/fwAA/38AAAAAAAAJAAAABAAAAGICAAAeAAAAaAAAAAAAAAAAAAAAAAAAAAAAAAAAAAAAECcAABAnAAAAAAAAAAAAAAAAAAAAAAAAAAAAAAAAAAAAAAAAAAAAABQAAAAAAAAAwMD/AAAAAABkAAAAMgAAAAAAAABkAAAAAAAAAH9/fwAKAAAAIgAAABgAAAAAAAAAAAAAAAAAAAAAAAAAAAAAAAAAAAAkAAAAJAAAAAAAAAAHAAAAAAAAAAAAAAAAAAAAAAAAAAAAAAAAAAAAf39/ACUAAABYAAAAAAAAAAAAAAAAAAAAAAAAAAAAAAAAAAAAAAAAAAAAAAAAAAAAAAAAAAAAAAA/AAAAAAAAAKCGAQAAAAAAAAAAAAAAAAAMAAAAAQAAAAAAAAAAAAAAAAAAAB8AAABUAAAAAAAABQAAAAEAAAAAAAAAAAAAAAAAAAAAAAAAAAAAAAAAAAAAAAAAAAAAAAJ/f38AAAAAA8zMzADAwP8Af39/AAAAAAAAAAAAAAAAAAAAAAAAAAAAIQAAABgAAAAUAAAAwAMAANgJAABARwAAsCUAABAAAAAmAAAACAAAAAAAAAAAAAAAMAAAABQAAAAAAAAAAAD//wAAAQAAAP//AAABAA=="/>
+                <pr:smNativeData xmlns:pr="smNativeData" xmlns="smNativeData" val="SMDATA_16_zLafZxMAAAAlAAAAZAAAAA8BAAAAkAAAAEgAAACQAAAASAAAAAAAAAAAAAAAAAAAAAEAAABQAAAAAAAAAAAA4D8AAAAAAADgPwAAAAAAAOA/AAAAAAAA4D8AAAAAAADgPwAAAAAAAOA/AAAAAAAA4D8AAAAAAADgPwAAAAAAAOA/AAAAAAAA4D8CAAAAjAAAAAAAAAAAAAAAu+DjDP///wgAAAAAAAAAAAAAAAAAAAAAAAAAAAAAAAAAAAAAZAAAAAEAAABAAAAAAAAAAAAAAAAAAAAAAAAAAAAAAAAAAAAAAAAAAAAAAAAAAAAAAAAAAAAAAAAAAAAAAAAAAAAAAAAAAAAAAAAAAAAAAAAAAAAAAAAAAAAAAAAAAAAAFAAAADwAAAAAAAAAAAAAAAAAAAkUAAAAAQAAABQAAAAUAAAAFAAAAAEAAAAAAAAAZAAAAGQAAAAAAAAAZAAAAGQAAAAVAAAAYAAAAAAAAAAAAAAADwAAACADAAAAAAAAAAAAAAEAAACgMgAAVgcAAKr4//8BAAAAf39/AAEAAABkAAAAAAAAABQAAABAHwAAAAAAACYAAAAAAAAAwOD//wAAAAAmAAAAZAAAABYAAABMAAAAAAAAAAAAAAAEAAAAAAAAAAEAAACAgIAKAAAAACgAAAAoAAAAZAAAAGQAAAAAAAAAzMzMAAAAAABQAAAAUAAAAGQAAABkAAAAAAAAABcAAAAUAAAAAAAAAAAAAAD/fwAA/38AAAAAAAAJAAAABAAAAGICAAAeAAAAaAAAAAAAAAAAAAAAAAAAAAAAAAAAAAAAECcAABAnAAAAAAAAAAAAAAAAAAAAAAAAAAAAAAAAAAAAAAAAAAAAABQAAAAAAAAAwMD/AAAAAABkAAAAMgAAAAAAAABkAAAAAAAAAH9/fwAKAAAAIgAAABgAAAAAAAAAAAAAAAAAAAAAAAAAAAAAAAAAAAAkAAAAJAAAAAAAAAAHAAAAAAAAAAAAAAAAAAAAAAAAAAAAAAAAAAAAf39/ACUAAABYAAAAAAAAAAAAAAAAAAAAAAAAAAAAAAAAAAAAAAAAAAAAAAAAAAAAAAAAAAAAAAA/AAAAAAAAAKCGAQAAAAAAAAAAAAAAAAAMAAAAAQAAAAAAAAAAAAAAAAAAAB8AAABUAAAAAAAABQAAAAEAAAAAAAAAAAAAAAAAAAAAAAAAAAAAAAAAAAAAAAAAAAAAAAJ/f38AAAAAA8zMzADAwP8Af39/AAAAAAAAAAAAAAAAAAAAAAAAAAAAIQAAABgAAAAUAAAAwAMAANgJAABARwAAsCUAABAAAAAmAAAACAAAAAAAAAAAAAAAMAAAABQAAAAAAAAAAAD//wAAAQAAAP//AAABAA=="/>
               </a:ext>
             </a:extLst>
           </p:cNvSpPr>
@@ -4012,7 +4138,7 @@
             <a:picLocks noChangeAspect="1"/>
             <a:extLst>
               <a:ext uri="smNativeData">
-                <pr:smNativeData xmlns:pr="smNativeData" xmlns="smNativeData" val="SMDATA_18_oViJZxMAAAAlAAAAEQAAAC8BAAAAkAAAAEgAAACQAAAASAAAAAAAAAAAAAAAAAAAAAEAAABQAAAAAAAAAAAA4D8AAAAAAADgPwAAAAAAAOA/AAAAAAAA4D8AAAAAAADgPwAAAAAAAOA/AAAAAAAA4D8AAAAAAADgPwAAAAAAAOA/AAAAAAAA4D8CAAAAjAAAAAAAAAAAAAAAu+DjDP///wgAAAAAAAAAAAAAAAAAAAAAAAAAAAAAAAAAAAAAZAAAAAEAAABAAAAAAAAAAAAAAAAAAAAAAAAAAAAAAAAAAAAAAAAAAAAAAAAAAAAAAAAAAAAAAAAAAAAAAAAAAAAAAAAAAAAAAAAAAAAAAAAAAAAAAAAAAAAAAAAAAAAAFAAAADwAAAAAAAAAAAAAAAAAAAkUAAAAAQAAABQAAAAUAAAAFAAAAAEAAAAAAAAAZAAAAGQAAAAAAAAAZAAAAGQAAAAVAAAAYAAAAAAAAAAAAAAADwAAACADAAAAAAAAAAAAAAEAAACgMgAAVgcAAKr4//8BAAAAf39/AAEAAABkAAAAAAAAABQAAABAHwAAAAAAACYAAAAAAAAAwOD//wAAAAAmAAAAZAAAABYAAABMAAAAAAAAAAAAAAAEAAAAAAAAAAEAAACAgIAKAAAAACgAAAAoAAAAZAAAAGQAAAAAAAAAzMzMAAAAAABQAAAAUAAAAGQAAABkAAAAAAAAAAcAAAA4AAAAAAAAAAAAAAAAAAAA////AAAAAAAAAAAAAAAAAAAAAAAAAAAAAAAAAAAAAABkAAAAZAAAAAAAAAAjAAAABAAAAGQAAAAXAAAAFAAAAAAAAAAAAAAA/38AAP9/AAAAAAAACQAAAAQAAAAAAAAAHgAAAGgAAAAAAAAAAAAAAAAAAAAAAAAAAAAAABAnAAAQJwAAAAAAAAAAAAAAAAAAAAAAAAAAAAAAAAAAAAAAAAAAAAAUAAAAAAAAAMDA/wAAAAAAZAAAADIAAAAAAAAAZAAAAAAAAAB/f38ACgAAACIAAAAYAAAAAAAAAAAAAAAAAAAAAAAAAAAAAAAAAAAAJAAAACQAAAAAAAAABwAAAAAAAAAAAAAAAAAAAAAAAAAAAAAAAAAAAH9/fwAlAAAAWAAAAAAAAAAAAAAAAAAAAAAAAAAAAAAAAAAAAAAAAAAAAAAAAAAAAAAAAAAAAAAAPwAAAAAAAACghgEAAAAAAAAAAAAAAAAADAAAAAEAAAAAAAAAAAAAAAAAAAAfAAAAVAAAALvg4wX///8BAAAAAAAAAAAAAAAAAAAAAAAAAAAAAAAAAAAAAAAAAAAAAAACf39/AICAgAPMzMwAwMD/AH9/fwAAAAAAAAAAAAAAAAD///8AAAAAACEAAAAYAAAAFAAAAMADAAD0IAAAmCsAALAlAAAQAAAAJgAAAAgAAAD//////////zAAAAAUAAAAAAAAAAAA//8AAAEAAAD//wAAAQA="/>
+                <pr:smNativeData xmlns:pr="smNativeData" xmlns="smNativeData" val="SMDATA_18_zLafZxMAAAAlAAAAEQAAAC8BAAAAkAAAAEgAAACQAAAASAAAAAAAAAAAAAAAAAAAAAEAAABQAAAAAAAAAAAA4D8AAAAAAADgPwAAAAAAAOA/AAAAAAAA4D8AAAAAAADgPwAAAAAAAOA/AAAAAAAA4D8AAAAAAADgPwAAAAAAAOA/AAAAAAAA4D8CAAAAjAAAAAAAAAAAAAAAu+DjDP///wgAAAAAAAAAAAAAAAAAAAAAAAAAAAAAAAAAAAAAZAAAAAEAAABAAAAAAAAAAAAAAAAAAAAAAAAAAAAAAAAAAAAAAAAAAAAAAAAAAAAAAAAAAAAAAAAAAAAAAAAAAAAAAAAAAAAAAAAAAAAAAAAAAAAAAAAAAAAAAAAAAAAAFAAAADwAAAAAAAAAAAAAAAAAAAkUAAAAAQAAABQAAAAUAAAAFAAAAAEAAAAAAAAAZAAAAGQAAAAAAAAAZAAAAGQAAAAVAAAAYAAAAAAAAAAAAAAADwAAACADAAAAAAAAAAAAAAEAAACgMgAAVgcAAKr4//8BAAAAf39/AAEAAABkAAAAAAAAABQAAABAHwAAAAAAACYAAAAAAAAAwOD//wAAAAAmAAAAZAAAABYAAABMAAAAAAAAAAAAAAAEAAAAAAAAAAEAAACAgIAKAAAAACgAAAAoAAAAZAAAAGQAAAAAAAAAzMzMAAAAAABQAAAAUAAAAGQAAABkAAAAAAAAAAcAAAA4AAAAAAAAAAAAAAAAAAAA////AAAAAAAAAAAAAAAAAAAAAAAAAAAAAAAAAAAAAABkAAAAZAAAAAAAAAAjAAAABAAAAGQAAAAXAAAAFAAAAAAAAAAAAAAA/38AAP9/AAAAAAAACQAAAAQAAAAAAAAAHgAAAGgAAAAAAAAAAAAAAAAAAAAAAAAAAAAAABAnAAAQJwAAAAAAAAAAAAAAAAAAAAAAAAAAAAAAAAAAAAAAAAAAAAAUAAAAAAAAAMDA/wAAAAAAZAAAADIAAAAAAAAAZAAAAAAAAAB/f38ACgAAACIAAAAYAAAAAAAAAAAAAAAAAAAAAAAAAAAAAAAAAAAAJAAAACQAAAAAAAAABwAAAAAAAAAAAAAAAAAAAAAAAAAAAAAAAAAAAH9/fwAlAAAAWAAAAAAAAAAAAAAAAAAAAAAAAAAAAAAAAAAAAAAAAAAAAAAAAAAAAAAAAAAAAAAAPwAAAAAAAACghgEAAAAAAAAAAAAAAAAADAAAAAEAAAAAAAAAAAAAAAAAAAAfAAAAVAAAALvg4wX///8BAAAAAAAAAAAAAAAAAAAAAAAAAAAAAAAAAAAAAAAAAAAAAAACf39/AICAgAPMzMwAwMD/AH9/fwAAAAAAAAAAAAAAAAD///8AAAAAACEAAAAYAAAAFAAAAMADAAD0IAAAmCsAALAlAAAQAAAAJgAAAAgAAAD//////////zAAAAAUAAAAAAAAAAAA//8AAAEAAAD//wAAAQA="/>
               </a:ext>
             </a:extLst>
           </p:cNvPicPr>
@@ -4078,7 +4204,7 @@
             <a:spLocks noGrp="1" noChangeArrowheads="1"/>
             <a:extLst>
               <a:ext uri="smNativeData">
-                <pr:smNativeData xmlns:pr="smNativeData" xmlns="smNativeData" val="SMDATA_16_oViJZxMAAAAlAAAAZAAAAA8BAAAAkAAAAEgAAACQAAAASAAAAAAAAAABAAAAAAAAAAEAAABQAAAAAAAAAAAA4D8AAAAAAADgPwAAAAAAAOA/AAAAAAAA4D8AAAAAAADgPwAAAAAAAOA/AAAAAAAA4D8AAAAAAADgPwAAAAAAAOA/AAAAAAAA4D8CAAAAjAAAAAAAAAAAAAAAu+DjDP///wgAAAAAAAAAAAAAAAAAAAAAAAAAAAAAAAAAAAAAZAAAAAEAAABAAAAAAAAAAAAAAAAAAAAAAAAAAAAAAAAAAAAAAAAAAAAAAAAAAAAAAAAAAAAAAAAAAAAAAAAAAAAAAAAAAAAAAAAAAAAAAAAAAAAAAAAAAAAAAAAAAAAAFAAAADwAAAAAAAAAAAAAAAAAAAkUAAAAAQAAABQAAAAUAAAAFAAAAAEAAAAAAAAAZAAAAGQAAAAAAAAAZAAAAGQAAAAVAAAAYAAAAAAAAAAAAAAADwAAACADAAAAAAAAAAAAAAEAAACgMgAAVgcAAKr4//8BAAAAf39/AAEAAABkAAAAAAAAABQAAABAHwAAAAAAACYAAAAAAAAAwOD//wAAAAAmAAAAZAAAABYAAABMAAAAAAAAAAAAAAAEAAAAAAAAAAEAAACAgIAKAAAAACgAAAAoAAAAZAAAAGQAAAAAAAAAzMzMAAAAAABQAAAAUAAAAGQAAABkAAAAAAAAABcAAAAUAAAAAAAAAAAAAAD/fwAA/38AAAAAAAAJAAAABAAAAGICAAAeAAAAaAAAAAAAAAAAAAAAAAAAAAAAAAAAAAAAECcAABAnAAAAAAAAAAAAAAAAAAAAAAAAAAAAAAAAAAAAAAAAAAAAABQAAAAAAAAAwMD/AAAAAABkAAAAMgAAAAAAAABkAAAAAAAAAH9/fwAKAAAAIgAAABgAAAAAAAAAAAAAAAAAAAAAAAAAAAAAAAAAAAAkAAAAJAAAAAAAAAAHAAAAAAAAAAAAAAAAAAAAAAAAAAAAAAAAAAAAf39/ACUAAABYAAAAAAAAAAAAAAAAAAAAAAAAAAAAAAAAAAAAAAAAAAAAAAAAAAAAAAAAAAAAAAA/AAAAAAAAAKCGAQAAAAAAAAAAAAAAAAAMAAAAAQAAAAAAAAAAAAAAAAAAAB8AAABUAAAAAAAABQAAAAEAAAAAAAAAAAAAAAAAAAAAAAAAAAAAAAAAAAAAAAAAAAAAAAJ/f38AAAAAA8zMzADAwP8Af39/AAAAAAAAAAAAAAAAAAAAAAAAAAAAIQAAABgAAAAUAAAAwAMAALABAABARwAAuAgAABAAAAAmAAAACAAAAAAAAAAAAAAAMAAAABQAAAAAAAAAAAD//wAAAQAAAP//AAABAA=="/>
+                <pr:smNativeData xmlns:pr="smNativeData" xmlns="smNativeData" val="SMDATA_16_zLafZxMAAAAlAAAAZAAAAA8BAAAAkAAAAEgAAACQAAAASAAAAAAAAAABAAAAAAAAAAEAAABQAAAAAAAAAAAA4D8AAAAAAADgPwAAAAAAAOA/AAAAAAAA4D8AAAAAAADgPwAAAAAAAOA/AAAAAAAA4D8AAAAAAADgPwAAAAAAAOA/AAAAAAAA4D8CAAAAjAAAAAAAAAAAAAAAu+DjDP///wgAAAAAAAAAAAAAAAAAAAAAAAAAAAAAAAAAAAAAZAAAAAEAAABAAAAAAAAAAAAAAAAAAAAAAAAAAAAAAAAAAAAAAAAAAAAAAAAAAAAAAAAAAAAAAAAAAAAAAAAAAAAAAAAAAAAAAAAAAAAAAAAAAAAAAAAAAAAAAAAAAAAAFAAAADwAAAAAAAAAAAAAAAAAAAkUAAAAAQAAABQAAAAUAAAAFAAAAAEAAAAAAAAAZAAAAGQAAAAAAAAAZAAAAGQAAAAVAAAAYAAAAAAAAAAAAAAADwAAACADAAAAAAAAAAAAAAEAAACgMgAAVgcAAKr4//8BAAAAf39/AAEAAABkAAAAAAAAABQAAABAHwAAAAAAACYAAAAAAAAAwOD//wAAAAAmAAAAZAAAABYAAABMAAAAAAAAAAAAAAAEAAAAAAAAAAEAAACAgIAKAAAAACgAAAAoAAAAZAAAAGQAAAAAAAAAzMzMAAAAAABQAAAAUAAAAGQAAABkAAAAAAAAABcAAAAUAAAAAAAAAAAAAAD/fwAA/38AAAAAAAAJAAAABAAAAGICAAAeAAAAaAAAAAAAAAAAAAAAAAAAAAAAAAAAAAAAECcAABAnAAAAAAAAAAAAAAAAAAAAAAAAAAAAAAAAAAAAAAAAAAAAABQAAAAAAAAAwMD/AAAAAABkAAAAMgAAAAAAAABkAAAAAAAAAH9/fwAKAAAAIgAAABgAAAAAAAAAAAAAAAAAAAAAAAAAAAAAAAAAAAAkAAAAJAAAAAAAAAAHAAAAAAAAAAAAAAAAAAAAAAAAAAAAAAAAAAAAf39/ACUAAABYAAAAAAAAAAAAAAAAAAAAAAAAAAAAAAAAAAAAAAAAAAAAAAAAAAAAAAAAAAAAAAA/AAAAAAAAAKCGAQAAAAAAAAAAAAAAAAAMAAAAAQAAAAAAAAAAAAAAAAAAAB8AAABUAAAAAAAABQAAAAEAAAAAAAAAAAAAAAAAAAAAAAAAAAAAAAAAAAAAAAAAAAAAAAJ/f38AAAAAA8zMzADAwP8Af39/AAAAAAAAAAAAAAAAAAAAAAAAAAAAIQAAABgAAAAUAAAAwAMAALABAABARwAAuAgAABAAAAAmAAAACAAAAAAAAAAAAAAAMAAAABQAAAAAAAAAAAD//wAAAQAAAP//AAABAA=="/>
               </a:ext>
             </a:extLst>
           </p:cNvSpPr>
@@ -4105,7 +4231,7 @@
             <a:spLocks noGrp="1" noChangeArrowheads="1"/>
             <a:extLst>
               <a:ext uri="smNativeData">
-                <pr:smNativeData xmlns:pr="smNativeData" xmlns="smNativeData" val="SMDATA_16_oViJZxMAAAAlAAAAZAAAAA8BAAAAkAAAAEgAAACQAAAASAAAAAAAAAAAAAAAAAAAAAEAAABQAAAAAAAAAAAA4D8AAAAAAADgPwAAAAAAAOA/AAAAAAAA4D8AAAAAAADgPwAAAAAAAOA/AAAAAAAA4D8AAAAAAADgPwAAAAAAAOA/AAAAAAAA4D8CAAAAjAAAAAAAAAAAAAAAu+DjDP///wgAAAAAAAAAAAAAAAAAAAAAAAAAAAAAAAAAAAAAZAAAAAEAAABAAAAAAAAAAAAAAAAAAAAAAAAAAAAAAAAAAAAAAAAAAAAAAAAAAAAAAAAAAAAAAAAAAAAAAAAAAAAAAAAAAAAAAAAAAAAAAAAAAAAAAAAAAAAAAAAAAAAAFAAAADwAAAAAAAAAAAAAAAAAAAkUAAAAAQAAABQAAAAUAAAAFAAAAAEAAAAAAAAAZAAAAGQAAAAAAAAAZAAAAGQAAAAVAAAAYAAAAAAAAAAAAAAADwAAACADAAAAAAAAAAAAAAEAAACgMgAAVgcAAKr4//8BAAAAf39/AAEAAABkAAAAAAAAABQAAABAHwAAAAAAACYAAAAAAAAAwOD//wAAAAAmAAAAZAAAABYAAABMAAAAAAAAAAAAAAAEAAAAAAAAAAEAAACAgIAKAAAAACgAAAAoAAAAZAAAAGQAAAAAAAAAzMzMAAAAAABQAAAAUAAAAGQAAABkAAAAAAAAABcAAAAUAAAAAAAAAAAAAAD/fwAA/38AAAAAAAAJAAAABAAAAGICAAAeAAAAaAAAAAAAAAAAAAAAAAAAAAAAAAAAAAAAECcAABAnAAAAAAAAAAAAAAAAAAAAAAAAAAAAAAAAAAAAAAAAAAAAABQAAAAAAAAAwMD/AAAAAABkAAAAMgAAAAAAAABkAAAAAAAAAH9/fwAKAAAAIgAAABgAAAAAAAAAAAAAAAAAAAAAAAAAAAAAAAAAAAAkAAAAJAAAAAAAAAAHAAAAAAAAAAAAAAAAAAAAAAAAAAAAAAAAAAAAf39/ACUAAABYAAAAAAAAAAAAAAAAAAAAAAAAAAAAAAAAAAAAAAAAAAAAAAAAAAAAAAAAAAAAAAA/AAAAAAAAAKCGAQAAAAAAAAAAAAAAAAAMAAAAAQAAAAAAAAAAAAAAAAAAAB8AAABUAAAAAAAABQAAAAEAAAAAAAAAAAAAAAAAAAAAAAAAAAAAAAAAAAAAAAAAAAAAAAJ/f38AAAAAA8zMzADAwP8Af39/AAAAAAAAAAAAAAAAAAAAAAAAAAAAIQAAABgAAAAUAAAAwAMAANgJAABARwAAsCUAABAAAAAmAAAACAAAAAAAAAAAAAAAMAAAABQAAAAAAAAAAAD//wAAAQAAAP//AAABAA=="/>
+                <pr:smNativeData xmlns:pr="smNativeData" xmlns="smNativeData" val="SMDATA_16_zLafZxMAAAAlAAAAZAAAAA8BAAAAkAAAAEgAAACQAAAASAAAAAAAAAAAAAAAAAAAAAEAAABQAAAAAAAAAAAA4D8AAAAAAADgPwAAAAAAAOA/AAAAAAAA4D8AAAAAAADgPwAAAAAAAOA/AAAAAAAA4D8AAAAAAADgPwAAAAAAAOA/AAAAAAAA4D8CAAAAjAAAAAAAAAAAAAAAu+DjDP///wgAAAAAAAAAAAAAAAAAAAAAAAAAAAAAAAAAAAAAZAAAAAEAAABAAAAAAAAAAAAAAAAAAAAAAAAAAAAAAAAAAAAAAAAAAAAAAAAAAAAAAAAAAAAAAAAAAAAAAAAAAAAAAAAAAAAAAAAAAAAAAAAAAAAAAAAAAAAAAAAAAAAAFAAAADwAAAAAAAAAAAAAAAAAAAkUAAAAAQAAABQAAAAUAAAAFAAAAAEAAAAAAAAAZAAAAGQAAAAAAAAAZAAAAGQAAAAVAAAAYAAAAAAAAAAAAAAADwAAACADAAAAAAAAAAAAAAEAAACgMgAAVgcAAKr4//8BAAAAf39/AAEAAABkAAAAAAAAABQAAABAHwAAAAAAACYAAAAAAAAAwOD//wAAAAAmAAAAZAAAABYAAABMAAAAAAAAAAAAAAAEAAAAAAAAAAEAAACAgIAKAAAAACgAAAAoAAAAZAAAAGQAAAAAAAAAzMzMAAAAAABQAAAAUAAAAGQAAABkAAAAAAAAABcAAAAUAAAAAAAAAAAAAAD/fwAA/38AAAAAAAAJAAAABAAAAGICAAAeAAAAaAAAAAAAAAAAAAAAAAAAAAAAAAAAAAAAECcAABAnAAAAAAAAAAAAAAAAAAAAAAAAAAAAAAAAAAAAAAAAAAAAABQAAAAAAAAAwMD/AAAAAABkAAAAMgAAAAAAAABkAAAAAAAAAH9/fwAKAAAAIgAAABgAAAAAAAAAAAAAAAAAAAAAAAAAAAAAAAAAAAAkAAAAJAAAAAAAAAAHAAAAAAAAAAAAAAAAAAAAAAAAAAAAAAAAAAAAf39/ACUAAABYAAAAAAAAAAAAAAAAAAAAAAAAAAAAAAAAAAAAAAAAAAAAAAAAAAAAAAAAAAAAAAA/AAAAAAAAAKCGAQAAAAAAAAAAAAAAAAAMAAAAAQAAAAAAAAAAAAAAAAAAAB8AAABUAAAAAAAABQAAAAEAAAAAAAAAAAAAAAAAAAAAAAAAAAAAAAAAAAAAAAAAAAAAAAJ/f38AAAAAA8zMzADAwP8Af39/AAAAAAAAAAAAAAAAAAAAAAAAAAAAIQAAABgAAAAUAAAAwAMAANgJAABARwAAsCUAABAAAAAmAAAACAAAAAAAAAAAAAAAMAAAABQAAAAAAAAAAAD//wAAAQAAAP//AAABAA=="/>
               </a:ext>
             </a:extLst>
           </p:cNvSpPr>
@@ -4194,7 +4320,7 @@
             <a:spLocks noGrp="1" noChangeArrowheads="1"/>
             <a:extLst>
               <a:ext uri="smNativeData">
-                <pr:smNativeData xmlns:pr="smNativeData" xmlns="smNativeData" val="SMDATA_16_oViJZxMAAAAlAAAAZAAAAA8BAAAAkAAAAEgAAACQAAAASAAAAAAAAAABAAAAAAAAAAEAAABQAAAAAAAAAAAA4D8AAAAAAADgPwAAAAAAAOA/AAAAAAAA4D8AAAAAAADgPwAAAAAAAOA/AAAAAAAA4D8AAAAAAADgPwAAAAAAAOA/AAAAAAAA4D8CAAAAjAAAAAAAAAAAAAAAu+DjDP///wgAAAAAAAAAAAAAAAAAAAAAAAAAAAAAAAAAAAAAZAAAAAEAAABAAAAAAAAAAAAAAAAAAAAAAAAAAAAAAAAAAAAAAAAAAAAAAAAAAAAAAAAAAAAAAAAAAAAAAAAAAAAAAAAAAAAAAAAAAAAAAAAAAAAAAAAAAAAAAAAAAAAAFAAAADwAAAAAAAAAAAAAAAAAAAkUAAAAAQAAABQAAAAUAAAAFAAAAAEAAAAAAAAAZAAAAGQAAAAAAAAAZAAAAGQAAAAVAAAAYAAAAAAAAAAAAAAADwAAACADAAAAAAAAAAAAAAEAAACgMgAAVgcAAKr4//8BAAAAf39/AAEAAABkAAAAAAAAABQAAABAHwAAAAAAACYAAAAAAAAAwOD//wAAAAAmAAAAZAAAABYAAABMAAAAAAAAAAAAAAAEAAAAAAAAAAEAAACAgIAKAAAAACgAAAAoAAAAZAAAAGQAAAAAAAAAzMzMAAAAAABQAAAAUAAAAGQAAABkAAAAAAAAABcAAAAUAAAAAAAAAAAAAAD/fwAA/38AAAAAAAAJAAAABAAAANEAAAAeAAAAaAAAAAAAAAAAAAAAAAAAAAAAAAAAAAAAECcAABAnAAAAAAAAAAAAAAAAAAAAAAAAAAAAAAAAAAAAAAAAAAAAABQAAAAAAAAAwMD/AAAAAABkAAAAMgAAAAAAAABkAAAAAAAAAH9/fwAKAAAAIgAAABgAAAAAAAAAAAAAAAAAAAAAAAAAAAAAAAAAAAAkAAAAJAAAAAAAAAAHAAAAAAAAAAAAAAAAAAAAAAAAAAAAAAAAAAAAf39/ACUAAABYAAAAAAAAAAAAAAAAAAAAAAAAAAAAAAAAAAAAAAAAAAAAAAAAAAAAAAAAAAAAAAA/AAAAAAAAAKCGAQAAAAAAAAAAAAAAAAAMAAAAAQAAAAAAAAAAAAAAAAAAAB8AAABUAAAAAAAABQAAAAEAAAAAAAAAAAAAAAAAAAAAAAAAAAAAAAAAAAAAAAAAAAAAAAJ/f38AAAAAA8zMzADAwP8Af39/AAAAAAAAAAAAAAAAAAAAAAAAAAAAIQAAABgAAAAUAAAAwAMAALABAABARwAAuAgAABAAAAAmAAAACAAAAAAAAAAAAAAAMAAAABQAAAAAAAAAAAD//wAAAQAAAP//AAABAA=="/>
+                <pr:smNativeData xmlns:pr="smNativeData" xmlns="smNativeData" val="SMDATA_16_zLafZxMAAAAlAAAAZAAAAA8BAAAAkAAAAEgAAACQAAAASAAAAAAAAAABAAAAAAAAAAEAAABQAAAAAAAAAAAA4D8AAAAAAADgPwAAAAAAAOA/AAAAAAAA4D8AAAAAAADgPwAAAAAAAOA/AAAAAAAA4D8AAAAAAADgPwAAAAAAAOA/AAAAAAAA4D8CAAAAjAAAAAAAAAAAAAAAu+DjDP///wgAAAAAAAAAAAAAAAAAAAAAAAAAAAAAAAAAAAAAZAAAAAEAAABAAAAAAAAAAAAAAAAAAAAAAAAAAAAAAAAAAAAAAAAAAAAAAAAAAAAAAAAAAAAAAAAAAAAAAAAAAAAAAAAAAAAAAAAAAAAAAAAAAAAAAAAAAAAAAAAAAAAAFAAAADwAAAAAAAAAAAAAAAAAAAkUAAAAAQAAABQAAAAUAAAAFAAAAAEAAAAAAAAAZAAAAGQAAAAAAAAAZAAAAGQAAAAVAAAAYAAAAAAAAAAAAAAADwAAACADAAAAAAAAAAAAAAEAAACgMgAAVgcAAKr4//8BAAAAf39/AAEAAABkAAAAAAAAABQAAABAHwAAAAAAACYAAAAAAAAAwOD//wAAAAAmAAAAZAAAABYAAABMAAAAAAAAAAAAAAAEAAAAAAAAAAEAAACAgIAKAAAAACgAAAAoAAAAZAAAAGQAAAAAAAAAzMzMAAAAAABQAAAAUAAAAGQAAABkAAAAAAAAABcAAAAUAAAAAAAAAAAAAAD/fwAA/38AAAAAAAAJAAAABAAAANEAAAAeAAAAaAAAAAAAAAAAAAAAAAAAAAAAAAAAAAAAECcAABAnAAAAAAAAAAAAAAAAAAAAAAAAAAAAAAAAAAAAAAAAAAAAABQAAAAAAAAAwMD/AAAAAABkAAAAMgAAAAAAAABkAAAAAAAAAH9/fwAKAAAAIgAAABgAAAAAAAAAAAAAAAAAAAAAAAAAAAAAAAAAAAAkAAAAJAAAAAAAAAAHAAAAAAAAAAAAAAAAAAAAAAAAAAAAAAAAAAAAf39/ACUAAABYAAAAAAAAAAAAAAAAAAAAAAAAAAAAAAAAAAAAAAAAAAAAAAAAAAAAAAAAAAAAAAA/AAAAAAAAAKCGAQAAAAAAAAAAAAAAAAAMAAAAAQAAAAAAAAAAAAAAAAAAAB8AAABUAAAAAAAABQAAAAEAAAAAAAAAAAAAAAAAAAAAAAAAAAAAAAAAAAAAAAAAAAAAAAJ/f38AAAAAA8zMzADAwP8Af39/AAAAAAAAAAAAAAAAAAAAAAAAAAAAIQAAABgAAAAUAAAAwAMAALABAABARwAAuAgAABAAAAAmAAAACAAAAAAAAAAAAAAAMAAAABQAAAAAAAAAAAD//wAAAQAAAP//AAABAA=="/>
               </a:ext>
             </a:extLst>
           </p:cNvSpPr>
@@ -4221,7 +4347,7 @@
             <a:spLocks noGrp="1" noChangeArrowheads="1"/>
             <a:extLst>
               <a:ext uri="smNativeData">
-                <pr:smNativeData xmlns:pr="smNativeData" xmlns="smNativeData" val="SMDATA_16_oViJZxMAAAAlAAAAZAAAAA8BAAAAkAAAAEgAAACQAAAASAAAAAAAAAAAAAAAAAAAAAEAAABQAAAAAAAAAAAA4D8AAAAAAADgPwAAAAAAAOA/AAAAAAAA4D8AAAAAAADgPwAAAAAAAOA/AAAAAAAA4D8AAAAAAADgPwAAAAAAAOA/AAAAAAAA4D8CAAAAjAAAAAAAAAAAAAAAu+DjDP///wgAAAAAAAAAAAAAAAAAAAAAAAAAAAAAAAAAAAAAZAAAAAEAAABAAAAAAAAAAAAAAAAAAAAAAAAAAAAAAAAAAAAAAAAAAAAAAAAAAAAAAAAAAAAAAAAAAAAAAAAAAAAAAAAAAAAAAAAAAAAAAAAAAAAAAAAAAAAAAAAAAAAAFAAAADwAAAAAAAAAAAAAAAAAAAkUAAAAAQAAABQAAAAUAAAAFAAAAAEAAAAAAAAAZAAAAGQAAAAAAAAAZAAAAGQAAAAVAAAAYAAAAAAAAAAAAAAADwAAACADAAAAAAAAAAAAAAEAAACgMgAAVgcAAKr4//8BAAAAf39/AAEAAABkAAAAAAAAABQAAABAHwAAAAAAACYAAAAAAAAAwOD//wAAAAAmAAAAZAAAABYAAABMAAAAAAAAAAAAAAAEAAAAAAAAAAEAAACAgIAKAAAAACgAAAAoAAAAZAAAAGQAAAAAAAAAzMzMAAAAAABQAAAAUAAAAGQAAABkAAAAAAAAABcAAAAUAAAAAAAAAAAAAAD/fwAA/38AAAAAAAAJAAAABAAAAO8CAAAeAAAAaAAAAAAAAAAAAAAAAAAAAAAAAAAAAAAAECcAABAnAAAAAAAAAAAAAAAAAAAAAAAAAAAAAAAAAAAAAAAAAAAAABQAAAAAAAAAwMD/AAAAAABkAAAAMgAAAAAAAABkAAAAAAAAAH9/fwAKAAAAIgAAABgAAAAAAAAAAAAAAAAAAAAAAAAAAAAAAAAAAAAkAAAAJAAAAAAAAAAHAAAAAAAAAAAAAAAAAAAAAAAAAAAAAAAAAAAAf39/ACUAAABYAAAAAAAAAAAAAAAAAAAAAAAAAAAAAAAAAAAAAAAAAAAAAAAAAAAAAAAAAAAAAAA/AAAAAAAAAKCGAQAAAAAAAAAAAAAAAAAMAAAAAQAAAAAAAAAAAAAAAAAAAB8AAABUAAAAAAAABQAAAAEAAAAAAAAAAAAAAAAAAAAAAAAAAAAAAAAAAAAAAAAAAAAAAAJ/f38AAAAAA8zMzADAwP8Af39/AAAAAAAAAAAAAAAAAAAAAAAAAAAAIQAAABgAAAAUAAAAwAMAANgJAABARwAAsCUAABAAAAAmAAAACAAAAAAAAAAAAAAAMAAAABQAAAAAAAAAAAD//wAAAQAAAP//AAABAA=="/>
+                <pr:smNativeData xmlns:pr="smNativeData" xmlns="smNativeData" val="SMDATA_16_zLafZxMAAAAlAAAAZAAAAA8BAAAAkAAAAEgAAACQAAAASAAAAAAAAAAAAAAAAAAAAAEAAABQAAAAAAAAAAAA4D8AAAAAAADgPwAAAAAAAOA/AAAAAAAA4D8AAAAAAADgPwAAAAAAAOA/AAAAAAAA4D8AAAAAAADgPwAAAAAAAOA/AAAAAAAA4D8CAAAAjAAAAAAAAAAAAAAAu+DjDP///wgAAAAAAAAAAAAAAAAAAAAAAAAAAAAAAAAAAAAAZAAAAAEAAABAAAAAAAAAAAAAAAAAAAAAAAAAAAAAAAAAAAAAAAAAAAAAAAAAAAAAAAAAAAAAAAAAAAAAAAAAAAAAAAAAAAAAAAAAAAAAAAAAAAAAAAAAAAAAAAAAAAAAFAAAADwAAAAAAAAAAAAAAAAAAAkUAAAAAQAAABQAAAAUAAAAFAAAAAEAAAAAAAAAZAAAAGQAAAAAAAAAZAAAAGQAAAAVAAAAYAAAAAAAAAAAAAAADwAAACADAAAAAAAAAAAAAAEAAACgMgAAVgcAAKr4//8BAAAAf39/AAEAAABkAAAAAAAAABQAAABAHwAAAAAAACYAAAAAAAAAwOD//wAAAAAmAAAAZAAAABYAAABMAAAAAAAAAAAAAAAEAAAAAAAAAAEAAACAgIAKAAAAACgAAAAoAAAAZAAAAGQAAAAAAAAAzMzMAAAAAABQAAAAUAAAAGQAAABkAAAAAAAAABcAAAAUAAAAAAAAAAAAAAD/fwAA/38AAAAAAAAJAAAABAAAAO8CAAAeAAAAaAAAAAAAAAAAAAAAAAAAAAAAAAAAAAAAECcAABAnAAAAAAAAAAAAAAAAAAAAAAAAAAAAAAAAAAAAAAAAAAAAABQAAAAAAAAAwMD/AAAAAABkAAAAMgAAAAAAAABkAAAAAAAAAH9/fwAKAAAAIgAAABgAAAAAAAAAAAAAAAAAAAAAAAAAAAAAAAAAAAAkAAAAJAAAAAAAAAAHAAAAAAAAAAAAAAAAAAAAAAAAAAAAAAAAAAAAf39/ACUAAABYAAAAAAAAAAAAAAAAAAAAAAAAAAAAAAAAAAAAAAAAAAAAAAAAAAAAAAAAAAAAAAA/AAAAAAAAAKCGAQAAAAAAAAAAAAAAAAAMAAAAAQAAAAAAAAAAAAAAAAAAAB8AAABUAAAAAAAABQAAAAEAAAAAAAAAAAAAAAAAAAAAAAAAAAAAAAAAAAAAAAAAAAAAAAJ/f38AAAAAA8zMzADAwP8Af39/AAAAAAAAAAAAAAAAAAAAAAAAAAAAIQAAABgAAAAUAAAAwAMAANgJAABARwAAsCUAABAAAAAmAAAACAAAAAAAAAAAAAAAMAAAABQAAAAAAAAAAAD//wAAAQAAAP//AAABAA=="/>
               </a:ext>
             </a:extLst>
           </p:cNvSpPr>
@@ -4282,7 +4408,7 @@
             <a:spLocks noGrp="1" noChangeArrowheads="1"/>
             <a:extLst>
               <a:ext uri="smNativeData">
-                <pr:smNativeData xmlns:pr="smNativeData" xmlns="smNativeData" val="SMDATA_16_oViJZxMAAAAlAAAAZAAAAA8BAAAAkAAAAEgAAACQAAAASAAAAAAAAAABAAAAAAAAAAEAAABQAAAAAAAAAAAA4D8AAAAAAADgPwAAAAAAAOA/AAAAAAAA4D8AAAAAAADgPwAAAAAAAOA/AAAAAAAA4D8AAAAAAADgPwAAAAAAAOA/AAAAAAAA4D8CAAAAjAAAAAAAAAAAAAAAu+DjDP///wgAAAAAAAAAAAAAAAAAAAAAAAAAAAAAAAAAAAAAZAAAAAEAAABAAAAAAAAAAAAAAAAAAAAAAAAAAAAAAAAAAAAAAAAAAAAAAAAAAAAAAAAAAAAAAAAAAAAAAAAAAAAAAAAAAAAAAAAAAAAAAAAAAAAAAAAAAAAAAAAAAAAAFAAAADwAAAAAAAAAAAAAAAAAAAkUAAAAAQAAABQAAAAUAAAAFAAAAAEAAAAAAAAAZAAAAGQAAAAAAAAAZAAAAGQAAAAVAAAAYAAAAAAAAAAAAAAADwAAACADAAAAAAAAAAAAAAEAAACgMgAAVgcAAKr4//8BAAAAf39/AAEAAABkAAAAAAAAABQAAABAHwAAAAAAACYAAAAAAAAAwOD//wAAAAAmAAAAZAAAABYAAABMAAAAAAAAAAAAAAAEAAAAAAAAAAEAAACAgIAKAAAAACgAAAAoAAAAZAAAAGQAAAAAAAAAzMzMAAAAAABQAAAAUAAAAGQAAABkAAAAAAAAABcAAAAUAAAAAAAAAAAAAAD/fwAA/38AAAAAAAAJAAAABAAAANEAAAAeAAAAaAAAAAAAAAAAAAAAAAAAAAAAAAAAAAAAECcAABAnAAAAAAAAAAAAAAAAAAAAAAAAAAAAAAAAAAAAAAAAAAAAABQAAAAAAAAAwMD/AAAAAABkAAAAMgAAAAAAAABkAAAAAAAAAH9/fwAKAAAAIgAAABgAAAAAAAAAAAAAAAAAAAAAAAAAAAAAAAAAAAAkAAAAJAAAAAAAAAAHAAAAAAAAAAAAAAAAAAAAAAAAAAAAAAAAAAAAf39/ACUAAABYAAAAAAAAAAAAAAAAAAAAAAAAAAAAAAAAAAAAAAAAAAAAAAAAAAAAAAAAAAAAAAA/AAAAAAAAAKCGAQAAAAAAAAAAAAAAAAAMAAAAAQAAAAAAAAAAAAAAAAAAAB8AAABUAAAAAAAABQAAAAEAAAAAAAAAAAAAAAAAAAAAAAAAAAAAAAAAAAAAAAAAAAAAAAJ/f38AAAAAA8zMzADAwP8Af39/AAAAAAAAAAAAAAAAAAAAAAAAAAAAIQAAABgAAAAUAAAAwAMAALABAABARwAAuAgAABAAAAAmAAAACAAAAAAAAAAAAAAAMAAAABQAAAAAAAAAAAD//wAAAQAAAP//AAABAA=="/>
+                <pr:smNativeData xmlns:pr="smNativeData" xmlns="smNativeData" val="SMDATA_16_zLafZxMAAAAlAAAAZAAAAA8BAAAAkAAAAEgAAACQAAAASAAAAAAAAAABAAAAAAAAAAEAAABQAAAAAAAAAAAA4D8AAAAAAADgPwAAAAAAAOA/AAAAAAAA4D8AAAAAAADgPwAAAAAAAOA/AAAAAAAA4D8AAAAAAADgPwAAAAAAAOA/AAAAAAAA4D8CAAAAjAAAAAAAAAAAAAAAu+DjDP///wgAAAAAAAAAAAAAAAAAAAAAAAAAAAAAAAAAAAAAZAAAAAEAAABAAAAAAAAAAAAAAAAAAAAAAAAAAAAAAAAAAAAAAAAAAAAAAAAAAAAAAAAAAAAAAAAAAAAAAAAAAAAAAAAAAAAAAAAAAAAAAAAAAAAAAAAAAAAAAAAAAAAAFAAAADwAAAAAAAAAAAAAAAAAAAkUAAAAAQAAABQAAAAUAAAAFAAAAAEAAAAAAAAAZAAAAGQAAAAAAAAAZAAAAGQAAAAVAAAAYAAAAAAAAAAAAAAADwAAACADAAAAAAAAAAAAAAEAAACgMgAAVgcAAKr4//8BAAAAf39/AAEAAABkAAAAAAAAABQAAABAHwAAAAAAACYAAAAAAAAAwOD//wAAAAAmAAAAZAAAABYAAABMAAAAAAAAAAAAAAAEAAAAAAAAAAEAAACAgIAKAAAAACgAAAAoAAAAZAAAAGQAAAAAAAAAzMzMAAAAAABQAAAAUAAAAGQAAABkAAAAAAAAABcAAAAUAAAAAAAAAAAAAAD/fwAA/38AAAAAAAAJAAAABAAAANEAAAAeAAAAaAAAAAAAAAAAAAAAAAAAAAAAAAAAAAAAECcAABAnAAAAAAAAAAAAAAAAAAAAAAAAAAAAAAAAAAAAAAAAAAAAABQAAAAAAAAAwMD/AAAAAABkAAAAMgAAAAAAAABkAAAAAAAAAH9/fwAKAAAAIgAAABgAAAAAAAAAAAAAAAAAAAAAAAAAAAAAAAAAAAAkAAAAJAAAAAAAAAAHAAAAAAAAAAAAAAAAAAAAAAAAAAAAAAAAAAAAf39/ACUAAABYAAAAAAAAAAAAAAAAAAAAAAAAAAAAAAAAAAAAAAAAAAAAAAAAAAAAAAAAAAAAAAA/AAAAAAAAAKCGAQAAAAAAAAAAAAAAAAAMAAAAAQAAAAAAAAAAAAAAAAAAAB8AAABUAAAAAAAABQAAAAEAAAAAAAAAAAAAAAAAAAAAAAAAAAAAAAAAAAAAAAAAAAAAAAJ/f38AAAAAA8zMzADAwP8Af39/AAAAAAAAAAAAAAAAAAAAAAAAAAAAIQAAABgAAAAUAAAAwAMAALABAABARwAAuAgAABAAAAAmAAAACAAAAAAAAAAAAAAAMAAAABQAAAAAAAAAAAD//wAAAQAAAP//AAABAA=="/>
               </a:ext>
             </a:extLst>
           </p:cNvSpPr>
@@ -4309,7 +4435,7 @@
             <a:spLocks noGrp="1" noChangeArrowheads="1"/>
             <a:extLst>
               <a:ext uri="smNativeData">
-                <pr:smNativeData xmlns:pr="smNativeData" xmlns="smNativeData" val="SMDATA_16_oViJZxMAAAAlAAAAZAAAAA8BAAAAkAAAAEgAAACQAAAASAAAAAAAAAAAAAAAAAAAAAEAAABQAAAAAAAAAAAA4D8AAAAAAADgPwAAAAAAAOA/AAAAAAAA4D8AAAAAAADgPwAAAAAAAOA/AAAAAAAA4D8AAAAAAADgPwAAAAAAAOA/AAAAAAAA4D8CAAAAjAAAAAAAAAAAAAAAu+DjDP///wgAAAAAAAAAAAAAAAAAAAAAAAAAAAAAAAAAAAAAZAAAAAEAAABAAAAAAAAAAAAAAAAAAAAAAAAAAAAAAAAAAAAAAAAAAAAAAAAAAAAAAAAAAAAAAAAAAAAAAAAAAAAAAAAAAAAAAAAAAAAAAAAAAAAAAAAAAAAAAAAAAAAAFAAAADwAAAAAAAAAAAAAAAAAAAkUAAAAAQAAABQAAAAUAAAAFAAAAAEAAAAAAAAAZAAAAGQAAAAAAAAAZAAAAGQAAAAVAAAAYAAAAAAAAAAAAAAADwAAACADAAAAAAAAAAAAAAEAAACgMgAAVgcAAKr4//8BAAAAf39/AAEAAABkAAAAAAAAABQAAABAHwAAAAAAACYAAAAAAAAAwOD//wAAAAAmAAAAZAAAABYAAABMAAAAAAAAAAAAAAAEAAAAAAAAAAEAAACAgIAKAAAAACgAAAAoAAAAZAAAAGQAAAAAAAAAzMzMAAAAAABQAAAAUAAAAGQAAABkAAAAAAAAABcAAAAUAAAAAAAAAAAAAAD/fwAA/38AAAAAAAAJAAAABAAAAD0iLTUeAAAAaAAAAAAAAAAAAAAAAAAAAAAAAAAAAAAAECcAABAnAAAAAAAAAAAAAAAAAAAAAAAAAAAAAAAAAAAAAAAAAAAAABQAAAAAAAAAwMD/AAAAAABkAAAAMgAAAAAAAABkAAAAAAAAAH9/fwAKAAAAIgAAABgAAAAAAAAAAAAAAAAAAAAAAAAAAAAAAAAAAAAkAAAAJAAAAAAAAAAHAAAAAAAAAAAAAAAAAAAAAAAAAAAAAAAAAAAAf39/ACUAAABYAAAAAAAAAAAAAAAAAAAAAAAAAAAAAAAAAAAAAAAAAAAAAAAAAAAAAAAAAAAAAAA/AAAAAAAAAKCGAQAAAAAAAAAAAAAAAAAMAAAAAQAAAAAAAAAAAAAAAAAAAB8AAABUAAAAAAAABQAAAAEAAAAAAAAAAAAAAAAAAAAAAAAAAAAAAAAAAAAAAAAAAAAAAAJ/f38AAAAAA8zMzADAwP8Af39/AAAAAAAAAAAAAAAAAAAAAAAAAAAAIQAAABgAAAAUAAAAwAMAANgJAABARwAAsCUAABAAAAAmAAAACAAAAAAAAAAAAAAAMAAAABQAAAAAAAAAAAD//wAAAQAAAP//AAABAA=="/>
+                <pr:smNativeData xmlns:pr="smNativeData" xmlns="smNativeData" val="SMDATA_16_zLafZxMAAAAlAAAAZAAAAA8BAAAAkAAAAEgAAACQAAAASAAAAAAAAAAAAAAAAAAAAAEAAABQAAAAAAAAAAAA4D8AAAAAAADgPwAAAAAAAOA/AAAAAAAA4D8AAAAAAADgPwAAAAAAAOA/AAAAAAAA4D8AAAAAAADgPwAAAAAAAOA/AAAAAAAA4D8CAAAAjAAAAAAAAAAAAAAAu+DjDP///wgAAAAAAAAAAAAAAAAAAAAAAAAAAAAAAAAAAAAAZAAAAAEAAABAAAAAAAAAAAAAAAAAAAAAAAAAAAAAAAAAAAAAAAAAAAAAAAAAAAAAAAAAAAAAAAAAAAAAAAAAAAAAAAAAAAAAAAAAAAAAAAAAAAAAAAAAAAAAAAAAAAAAFAAAADwAAAAAAAAAAAAAAAAAAAkUAAAAAQAAABQAAAAUAAAAFAAAAAEAAAAAAAAAZAAAAGQAAAAAAAAAZAAAAGQAAAAVAAAAYAAAAAAAAAAAAAAADwAAACADAAAAAAAAAAAAAAEAAACgMgAAVgcAAKr4//8BAAAAf39/AAEAAABkAAAAAAAAABQAAABAHwAAAAAAACYAAAAAAAAAwOD//wAAAAAmAAAAZAAAABYAAABMAAAAAAAAAAAAAAAEAAAAAAAAAAEAAACAgIAKAAAAACgAAAAoAAAAZAAAAGQAAAAAAAAAzMzMAAAAAABQAAAAUAAAAGQAAABkAAAAAAAAABcAAAAUAAAAAAAAAAAAAAD/fwAA/38AAAAAAAAJAAAABAAAAD0iLTUeAAAAaAAAAAAAAAAAAAAAAAAAAAAAAAAAAAAAECcAABAnAAAAAAAAAAAAAAAAAAAAAAAAAAAAAAAAAAAAAAAAAAAAABQAAAAAAAAAwMD/AAAAAABkAAAAMgAAAAAAAABkAAAAAAAAAH9/fwAKAAAAIgAAABgAAAAAAAAAAAAAAAAAAAAAAAAAAAAAAAAAAAAkAAAAJAAAAAAAAAAHAAAAAAAAAAAAAAAAAAAAAAAAAAAAAAAAAAAAf39/ACUAAABYAAAAAAAAAAAAAAAAAAAAAAAAAAAAAAAAAAAAAAAAAAAAAAAAAAAAAAAAAAAAAAA/AAAAAAAAAKCGAQAAAAAAAAAAAAAAAAAMAAAAAQAAAAAAAAAAAAAAAAAAAB8AAABUAAAAAAAABQAAAAEAAAAAAAAAAAAAAAAAAAAAAAAAAAAAAAAAAAAAAAAAAAAAAAJ/f38AAAAAA8zMzADAwP8Af39/AAAAAAAAAAAAAAAAAAAAAAAAAAAAIQAAABgAAAAUAAAAwAMAANgJAABARwAAsCUAABAAAAAmAAAACAAAAAAAAAAAAAAAMAAAABQAAAAAAAAAAAD//wAAAQAAAP//AAABAA=="/>
               </a:ext>
             </a:extLst>
           </p:cNvSpPr>
@@ -4407,7 +4533,7 @@
             <a:spLocks noGrp="1" noChangeArrowheads="1"/>
             <a:extLst>
               <a:ext uri="smNativeData">
-                <pr:smNativeData xmlns:pr="smNativeData" xmlns="smNativeData" val="SMDATA_16_oViJZxMAAAAlAAAAZAAAAA8BAAAAkAAAAEgAAACQAAAASAAAAAAAAAABAAAAAAAAAAEAAABQAAAAAAAAAAAA4D8AAAAAAADgPwAAAAAAAOA/AAAAAAAA4D8AAAAAAADgPwAAAAAAAOA/AAAAAAAA4D8AAAAAAADgPwAAAAAAAOA/AAAAAAAA4D8CAAAAjAAAAAAAAAAAAAAAu+DjDP///wgAAAAAAAAAAAAAAAAAAAAAAAAAAAAAAAAAAAAAZAAAAAEAAABAAAAAAAAAAAAAAAAAAAAAAAAAAAAAAAAAAAAAAAAAAAAAAAAAAAAAAAAAAAAAAAAAAAAAAAAAAAAAAAAAAAAAAAAAAAAAAAAAAAAAAAAAAAAAAAAAAAAAFAAAADwAAAAAAAAAAAAAAAAAAAkUAAAAAQAAABQAAAAUAAAAFAAAAAEAAAAAAAAAZAAAAGQAAAAAAAAAZAAAAGQAAAAVAAAAYAAAAAAAAAAAAAAADwAAACADAAAAAAAAAAAAAAEAAACgMgAAVgcAAKr4//8BAAAAf39/AAEAAABkAAAAAAAAABQAAABAHwAAAAAAACYAAAAAAAAAwOD//wAAAAAmAAAAZAAAABYAAABMAAAAAAAAAAAAAAAEAAAAAAAAAAEAAACAgIAKAAAAACgAAAAoAAAAZAAAAGQAAAAAAAAAzMzMAAAAAABQAAAAUAAAAGQAAABkAAAAAAAAABcAAAAUAAAAAAAAAAAAAAD/fwAA/38AAAAAAAAJAAAABAAAAAIAAAAeAAAAaAAAAAAAAAAAAAAAAAAAAAAAAAAAAAAAECcAABAnAAAAAAAAAAAAAAAAAAAAAAAAAAAAAAAAAAAAAAAAAAAAABQAAAAAAAAAwMD/AAAAAABkAAAAMgAAAAAAAABkAAAAAAAAAH9/fwAKAAAAIgAAABgAAAAAAAAAAAAAAAAAAAAAAAAAAAAAAAAAAAAkAAAAJAAAAAAAAAAHAAAAAAAAAAAAAAAAAAAAAAAAAAAAAAAAAAAAf39/ACUAAABYAAAAAAAAAAAAAAAAAAAAAAAAAAAAAAAAAAAAAAAAAAAAAAAAAAAAAAAAAAAAAAA/AAAAAAAAAKCGAQAAAAAAAAAAAAAAAAAMAAAAAQAAAAAAAAAAAAAAAAAAAB8AAABUAAAAAAAABQAAAAEAAAAAAAAAAAAAAAAAAAAAAAAAAAAAAAAAAAAAAAAAAAAAAAJ/f38AAAAAA8zMzADAwP8Af39/AAAAAAAAAAAAAAAAAAAAAAAAAAAAIQAAABgAAAAUAAAAwAMAALABAABARwAAuAgAABAAAAAmAAAACAAAAAAAAAAAAAAAMAAAABQAAAAAAAAAAAD//wAAAQAAAP//AAABAA=="/>
+                <pr:smNativeData xmlns:pr="smNativeData" xmlns="smNativeData" val="SMDATA_16_zLafZxMAAAAlAAAAZAAAAA8BAAAAkAAAAEgAAACQAAAASAAAAAAAAAABAAAAAAAAAAEAAABQAAAAAAAAAAAA4D8AAAAAAADgPwAAAAAAAOA/AAAAAAAA4D8AAAAAAADgPwAAAAAAAOA/AAAAAAAA4D8AAAAAAADgPwAAAAAAAOA/AAAAAAAA4D8CAAAAjAAAAAAAAAAAAAAAu+DjDP///wgAAAAAAAAAAAAAAAAAAAAAAAAAAAAAAAAAAAAAZAAAAAEAAABAAAAAAAAAAAAAAAAAAAAAAAAAAAAAAAAAAAAAAAAAAAAAAAAAAAAAAAAAAAAAAAAAAAAAAAAAAAAAAAAAAAAAAAAAAAAAAAAAAAAAAAAAAAAAAAAAAAAAFAAAADwAAAAAAAAAAAAAAAAAAAkUAAAAAQAAABQAAAAUAAAAFAAAAAEAAAAAAAAAZAAAAGQAAAAAAAAAZAAAAGQAAAAVAAAAYAAAAAAAAAAAAAAADwAAACADAAAAAAAAAAAAAAEAAACgMgAAVgcAAKr4//8BAAAAf39/AAEAAABkAAAAAAAAABQAAABAHwAAAAAAACYAAAAAAAAAwOD//wAAAAAmAAAAZAAAABYAAABMAAAAAAAAAAAAAAAEAAAAAAAAAAEAAACAgIAKAAAAACgAAAAoAAAAZAAAAGQAAAAAAAAAzMzMAAAAAABQAAAAUAAAAGQAAABkAAAAAAAAABcAAAAUAAAAAAAAAAAAAAD/fwAA/38AAAAAAAAJAAAABAAAANEAAAAeAAAAaAAAAAAAAAAAAAAAAAAAAAAAAAAAAAAAECcAABAnAAAAAAAAAAAAAAAAAAAAAAAAAAAAAAAAAAAAAAAAAAAAABQAAAAAAAAAwMD/AAAAAABkAAAAMgAAAAAAAABkAAAAAAAAAH9/fwAKAAAAIgAAABgAAAAAAAAAAAAAAAAAAAAAAAAAAAAAAAAAAAAkAAAAJAAAAAAAAAAHAAAAAAAAAAAAAAAAAAAAAAAAAAAAAAAAAAAAf39/ACUAAABYAAAAAAAAAAAAAAAAAAAAAAAAAAAAAAAAAAAAAAAAAAAAAAAAAAAAAAAAAAAAAAA/AAAAAAAAAKCGAQAAAAAAAAAAAAAAAAAMAAAAAQAAAAAAAAAAAAAAAAAAAB8AAABUAAAAAAAABQAAAAEAAAAAAAAAAAAAAAAAAAAAAAAAAAAAAAAAAAAAAAAAAAAAAAJ/f38AAAAAA8zMzADAwP8Af39/AAAAAAAAAAAAAAAAAAAAAAAAAAAAIQAAABgAAAAUAAAAwAMAALABAABARwAAuAgAAAAAAAAmAAAACAAAAAEAAAAAAAAAMAAAABQAAAAAAAAAAAD//wAAAQAAAP//AAABAA=="/>
               </a:ext>
             </a:extLst>
           </p:cNvSpPr>
@@ -4415,14 +4541,19 @@
             <p:ph type="title"/>
           </p:nvPr>
         </p:nvSpPr>
-        <p:spPr/>
-        <p:txBody>
-          <a:bodyPr/>
-          <a:lstStyle/>
-          <a:p>
-            <a:pPr/>
-            <a:r>
-              <a:t>Сравнение и выводы</a:t>
+        <p:spPr>
+          <a:xfrm>
+            <a:off x="609600" y="274320"/>
+            <a:ext cx="10972800" cy="1143000"/>
+          </a:xfrm>
+        </p:spPr>
+        <p:txBody>
+          <a:bodyPr/>
+          <a:lstStyle/>
+          <a:p>
+            <a:pPr/>
+            <a:r>
+              <a:t>Модель catboost</a:t>
             </a:r>
           </a:p>
         </p:txBody>
@@ -4434,7 +4565,7 @@
             <a:spLocks noGrp="1" noChangeArrowheads="1"/>
             <a:extLst>
               <a:ext uri="smNativeData">
-                <pr:smNativeData xmlns:pr="smNativeData" xmlns="smNativeData" val="SMDATA_16_oViJZxMAAAAlAAAAZAAAAA8BAAAAkAAAAEgAAACQAAAASAAAAAAAAAAAAAAAAAAAAAEAAABQAAAAAAAAAAAA4D8AAAAAAADgPwAAAAAAAOA/AAAAAAAA4D8AAAAAAADgPwAAAAAAAOA/AAAAAAAA4D8AAAAAAADgPwAAAAAAAOA/AAAAAAAA4D8CAAAAjAAAAAAAAAAAAAAAu+DjDP///wgAAAAAAAAAAAAAAAAAAAAAAAAAAAAAAAAAAAAAZAAAAAEAAABAAAAAAAAAAAAAAAAAAAAAAAAAAAAAAAAAAAAAAAAAAAAAAAAAAAAAAAAAAAAAAAAAAAAAAAAAAAAAAAAAAAAAAAAAAAAAAAAAAAAAAAAAAAAAAAAAAAAAFAAAADwAAAAAAAAAAAAAAAAAAAkUAAAAAQAAABQAAAAUAAAAFAAAAAEAAAAAAAAAZAAAAGQAAAAAAAAAZAAAAGQAAAAVAAAAYAAAAAAAAAAAAAAADwAAACADAAAAAAAAAAAAAAEAAACgMgAAVgcAAKr4//8BAAAAf39/AAEAAABkAAAAAAAAABQAAABAHwAAAAAAACYAAAAAAAAAwOD//wAAAAAmAAAAZAAAABYAAABMAAAAAAAAAAAAAAAEAAAAAAAAAAEAAACAgIAKAAAAACgAAAAoAAAAZAAAAGQAAAAAAAAAzMzMAAAAAABQAAAAUAAAAGQAAABkAAAAAAAAABcAAAAUAAAAAAAAAAAAAAD/fwAA/38AAAAAAAAJAAAABAAAAGFzZWweAAAAaAAAAAAAAAAAAAAAAAAAAAAAAAAAAAAAECcAABAnAAAAAAAAAAAAAAAAAAAAAAAAAAAAAAAAAAAAAAAAAAAAABQAAAAAAAAAwMD/AAAAAABkAAAAMgAAAAAAAABkAAAAAAAAAH9/fwAKAAAAIgAAABgAAAAAAAAAAAAAAAAAAAAAAAAAAAAAAAAAAAAkAAAAJAAAAAAAAAAHAAAAAAAAAAAAAAAAAAAAAAAAAAAAAAAAAAAAf39/ACUAAABYAAAAAAAAAAAAAAAAAAAAAAAAAAAAAAAAAAAAAAAAAAAAAAAAAAAAAAAAAAAAAAA/AAAAAAAAAKCGAQAAAAAAAAAAAAAAAAAMAAAAAQAAAAAAAAAAAAAAAAAAAB8AAABUAAAAAAAABQAAAAEAAAAAAAAAAAAAAAAAAAAAAAAAAAAAAAAAAAAAAAAAAAAAAAJ/f38AAAAAA8zMzADAwP8Af39/AAAAAAAAAAAAAAAAAAAAAAAAAAAAIQAAABgAAAAUAAAAwAMAANgJAABARwAAsCUAAAAAAAAmAAAACAAAAAEAAAAAAAAAMAAAABQAAAAAAAAAAAD//wAAAQAAAP//AAABAA=="/>
+                <pr:smNativeData xmlns:pr="smNativeData" xmlns="smNativeData" val="SMDATA_16_zLafZxMAAAAlAAAAZAAAAA8BAAAAkAAAAEgAAACQAAAASAAAAAAAAAAAAAAAAAAAAAEAAABQAAAAAAAAAAAA4D8AAAAAAADgPwAAAAAAAOA/AAAAAAAA4D8AAAAAAADgPwAAAAAAAOA/AAAAAAAA4D8AAAAAAADgPwAAAAAAAOA/AAAAAAAA4D8CAAAAjAAAAAAAAAAAAAAAu+DjDP///wgAAAAAAAAAAAAAAAAAAAAAAAAAAAAAAAAAAAAAZAAAAAEAAABAAAAAAAAAAAAAAAAAAAAAAAAAAAAAAAAAAAAAAAAAAAAAAAAAAAAAAAAAAAAAAAAAAAAAAAAAAAAAAAAAAAAAAAAAAAAAAAAAAAAAAAAAAAAAAAAAAAAAFAAAADwAAAAAAAAAAAAAAAAAAAkUAAAAAQAAABQAAAAUAAAAFAAAAAEAAAAAAAAAZAAAAGQAAAAAAAAAZAAAAGQAAAAVAAAAYAAAAAAAAAAAAAAADwAAACADAAAAAAAAAAAAAAEAAACgMgAAVgcAAKr4//8BAAAAf39/AAEAAABkAAAAAAAAABQAAABAHwAAAAAAACYAAAAAAAAAwOD//wAAAAAmAAAAZAAAABYAAABMAAAAAAAAAAAAAAAEAAAAAAAAAAEAAACAgIAKAAAAACgAAAAoAAAAZAAAAGQAAAAAAAAAzMzMAAAAAABQAAAAUAAAAGQAAABkAAAAAAAAABcAAAAUAAAAAAAAAAAAAAD/fwAA/38AAAAAAAAJAAAABAAAAAAAAAAeAAAAaAAAAAAAAAAAAAAAAAAAAAAAAAAAAAAAECcAABAnAAAAAAAAAAAAAAAAAAAAAAAAAAAAAAAAAAAAAAAAAAAAABQAAAAAAAAAwMD/AAAAAABkAAAAMgAAAAAAAABkAAAAAAAAAH9/fwAKAAAAIgAAABgAAAAAAAAAAAAAAAAAAAAAAAAAAAAAAAAAAAAkAAAAJAAAAAAAAAAHAAAAAAAAAAAAAAAAAAAAAAAAAAAAAAAAAAAAf39/ACUAAABYAAAAAAAAAAAAAAAAAAAAAAAAAAAAAAAAAAAAAAAAAAAAAAAAAAAAAAAAAAAAAAA/AAAAAAAAAKCGAQAAAAAAAAAAAAAAAAAMAAAAAQAAAAAAAAAAAAAAAAAAAB8AAABUAAAAAAAABQAAAAEAAAAAAAAAAAAAAAAAAAAAAAAAAAAAAAAAAAAAAAAAAAAAAAJ/f38AAAAAA8zMzADAwP8Af39/AAAAAAAAAAAAAAAAAAAAAAAAAAAAIQAAABgAAAAUAAAAwAMAANgJAABARwAAsCUAAAAAAAAmAAAACAAAAAEAAAAAAAAAMAAAABQAAAAAAAAAAAD//wAAAQAAAP//AAABAA=="/>
               </a:ext>
             </a:extLst>
           </p:cNvSpPr>
@@ -4454,19 +4585,9 @@
           <a:p>
             <a:pPr marL="0" indent="0">
               <a:buNone/>
-              <a:defRPr sz="3200" cap="none"/>
             </a:pPr>
             <a:r>
-              <a:t>Результаты: “открытий” больше не стало, но субъективно улучшилась доля верных ответов, модель стала более прицельной.</a:t>
-            </a:r>
-          </a:p>
-          <a:p>
-            <a:pPr marL="0" indent="0">
-              <a:buNone/>
-              <a:defRPr sz="3200" cap="none"/>
-            </a:pPr>
-            <a:r>
-              <a:t>Практическое использование модели в течение нек. времени показало, что 100 % качество не достигается (и пользователь может отметить единицы объектов для тренировки модели), но модель полезна. Можно сравнить с моделями распознавания пальцев или лиц: работает далеко не 100 %, но в работе помогает.</a:t>
+              <a:t>Проверим альтернативную модель на основе градиентного бустинга (catboost).</a:t>
             </a:r>
           </a:p>
         </p:txBody>
@@ -4510,7 +4631,7 @@
             <a:spLocks noGrp="1" noChangeArrowheads="1"/>
             <a:extLst>
               <a:ext uri="smNativeData">
-                <pr:smNativeData xmlns:pr="smNativeData" xmlns="smNativeData" val="SMDATA_16_oViJZxMAAAAlAAAAZAAAAA8BAAAAkAAAAEgAAACQAAAASAAAAAAAAAABAAAAAAAAAAEAAABQAAAAAAAAAAAA4D8AAAAAAADgPwAAAAAAAOA/AAAAAAAA4D8AAAAAAADgPwAAAAAAAOA/AAAAAAAA4D8AAAAAAADgPwAAAAAAAOA/AAAAAAAA4D8CAAAAjAAAAAAAAAAAAAAAu+DjDP///wgAAAAAAAAAAAAAAAAAAAAAAAAAAAAAAAAAAAAAZAAAAAEAAABAAAAAAAAAAAAAAAAAAAAAAAAAAAAAAAAAAAAAAAAAAAAAAAAAAAAAAAAAAAAAAAAAAAAAAAAAAAAAAAAAAAAAAAAAAAAAAAAAAAAAAAAAAAAAAAAAAAAAFAAAADwAAAAAAAAAAAAAAAAAAAkUAAAAAQAAABQAAAAUAAAAFAAAAAEAAAAAAAAAZAAAAGQAAAAAAAAAZAAAAGQAAAAVAAAAYAAAAAAAAAAAAAAADwAAACADAAAAAAAAAAAAAAEAAACgMgAAVgcAAKr4//8BAAAAf39/AAEAAABkAAAAAAAAABQAAABAHwAAAAAAACYAAAAAAAAAwOD//wAAAAAmAAAAZAAAABYAAABMAAAAAAAAAAAAAAAEAAAAAAAAAAEAAACAgIAKAAAAACgAAAAoAAAAZAAAAGQAAAAAAAAAzMzMAAAAAABQAAAAUAAAAGQAAABkAAAAAAAAABcAAAAUAAAAAAAAAAAAAAD/fwAA/38AAAAAAAAJAAAABAAAAAAAAAAeAAAAaAAAAAAAAAAAAAAAAAAAAAAAAAAAAAAAECcAABAnAAAAAAAAAAAAAAAAAAAAAAAAAAAAAAAAAAAAAAAAAAAAABQAAAAAAAAAwMD/AAAAAABkAAAAMgAAAAAAAABkAAAAAAAAAH9/fwAKAAAAIgAAABgAAAAAAAAAAAAAAAAAAAAAAAAAAAAAAAAAAAAkAAAAJAAAAAAAAAAHAAAAAAAAAAAAAAAAAAAAAAAAAAAAAAAAAAAAf39/ACUAAABYAAAAAAAAAAAAAAAAAAAAAAAAAAAAAAAAAAAAAAAAAAAAAAAAAAAAAAAAAAAAAAA/AAAAAAAAAKCGAQAAAAAAAAAAAAAAAAAMAAAAAQAAAAAAAAAAAAAAAAAAAB8AAABUAAAAAAAABQAAAAEAAAAAAAAAAAAAAAAAAAAAAAAAAAAAAAAAAAAAAAAAAAAAAAJ/f38AAAAAA8zMzADAwP8Af39/AAAAAAAAAAAAAAAAAAAAAAAAAAAAIQAAABgAAAAUAAAAwAMAALABAABARwAAuAgAABAAAAAmAAAACAAAAAAAAAAAAAAAMAAAABQAAAAAAAAAAAD//wAAAQAAAP//AAABAA=="/>
+                <pr:smNativeData xmlns:pr="smNativeData" xmlns="smNativeData" val="SMDATA_16_zLafZxMAAAAlAAAAZAAAAA8BAAAAkAAAAEgAAACQAAAASAAAAAAAAAABAAAAAAAAAAEAAABQAAAAAAAAAAAA4D8AAAAAAADgPwAAAAAAAOA/AAAAAAAA4D8AAAAAAADgPwAAAAAAAOA/AAAAAAAA4D8AAAAAAADgPwAAAAAAAOA/AAAAAAAA4D8CAAAAjAAAAAAAAAAAAAAAu+DjDP///wgAAAAAAAAAAAAAAAAAAAAAAAAAAAAAAAAAAAAAZAAAAAEAAABAAAAAAAAAAAAAAAAAAAAAAAAAAAAAAAAAAAAAAAAAAAAAAAAAAAAAAAAAAAAAAAAAAAAAAAAAAAAAAAAAAAAAAAAAAAAAAAAAAAAAAAAAAAAAAAAAAAAAFAAAADwAAAAAAAAAAAAAAAAAAAkUAAAAAQAAABQAAAAUAAAAFAAAAAEAAAAAAAAAZAAAAGQAAAAAAAAAZAAAAGQAAAAVAAAAYAAAAAAAAAAAAAAADwAAACADAAAAAAAAAAAAAAEAAACgMgAAVgcAAKr4//8BAAAAf39/AAEAAABkAAAAAAAAABQAAABAHwAAAAAAACYAAAAAAAAAwOD//wAAAAAmAAAAZAAAABYAAABMAAAAAAAAAAAAAAAEAAAAAAAAAAEAAACAgIAKAAAAACgAAAAoAAAAZAAAAGQAAAAAAAAAzMzMAAAAAABQAAAAUAAAAGQAAABkAAAAAAAAABcAAAAUAAAAAAAAAAAAAAD/fwAA/38AAAAAAAAJAAAABAAAAO8CAAAeAAAAaAAAAAAAAAAAAAAAAAAAAAAAAAAAAAAAECcAABAnAAAAAAAAAAAAAAAAAAAAAAAAAAAAAAAAAAAAAAAAAAAAABQAAAAAAAAAwMD/AAAAAABkAAAAMgAAAAAAAABkAAAAAAAAAH9/fwAKAAAAIgAAABgAAAAAAAAAAAAAAAAAAAAAAAAAAAAAAAAAAAAkAAAAJAAAAAAAAAAHAAAAAAAAAAAAAAAAAAAAAAAAAAAAAAAAAAAAf39/ACUAAABYAAAAAAAAAAAAAAAAAAAAAAAAAAAAAAAAAAAAAAAAAAAAAAAAAAAAAAAAAAAAAAA/AAAAAAAAAKCGAQAAAAAAAAAAAAAAAAAMAAAAAQAAAAAAAAAAAAAAAAAAAB8AAABUAAAAAAAABQAAAAEAAAAAAAAAAAAAAAAAAAAAAAAAAAAAAAAAAAAAAAAAAAAAAAJ/f38AAAAAA8zMzADAwP8Af39/AAAAAAAAAAAAAAAAAAAAAAAAAAAAIQAAABgAAAAUAAAAwAMAALABAABARwAAuAgAAAAAAAAmAAAACAAAAAEAAAAAAAAAMAAAABQAAAAAAAAAAAD//wAAAQAAAP//AAABAA=="/>
               </a:ext>
             </a:extLst>
           </p:cNvSpPr>
@@ -4518,80 +4639,189 @@
             <p:ph type="title"/>
           </p:nvPr>
         </p:nvSpPr>
+        <p:spPr>
+          <a:xfrm>
+            <a:off x="609600" y="274320"/>
+            <a:ext cx="10972800" cy="1143000"/>
+          </a:xfrm>
+        </p:spPr>
+        <p:txBody>
+          <a:bodyPr/>
+          <a:lstStyle/>
+          <a:p>
+            <a:pPr/>
+            <a:r>
+              <a:t>Доля верных ответов</a:t>
+            </a:r>
+          </a:p>
+        </p:txBody>
+      </p:sp>
+      <p:sp>
+        <p:nvSpPr>
+          <p:cNvPr id="3" name="SlideText1"/>
+          <p:cNvSpPr>
+            <a:spLocks noGrp="1" noChangeArrowheads="1"/>
+            <a:extLst>
+              <a:ext uri="smNativeData">
+                <pr:smNativeData xmlns:pr="smNativeData" xmlns="smNativeData" val="SMDATA_16_zLafZxMAAAAlAAAAZAAAAA8BAAAAkAAAAEgAAACQAAAASAAAAAAAAAAAAAAAAAAAAAEAAABQAAAAAAAAAAAA4D8AAAAAAADgPwAAAAAAAOA/AAAAAAAA4D8AAAAAAADgPwAAAAAAAOA/AAAAAAAA4D8AAAAAAADgPwAAAAAAAOA/AAAAAAAA4D8CAAAAjAAAAAAAAAAAAAAAu+DjDP///wgAAAAAAAAAAAAAAAAAAAAAAAAAAAAAAAAAAAAAZAAAAAEAAABAAAAAAAAAAAAAAAAAAAAAAAAAAAAAAAAAAAAAAAAAAAAAAAAAAAAAAAAAAAAAAAAAAAAAAAAAAAAAAAAAAAAAAAAAAAAAAAAAAAAAAAAAAAAAAAAAAAAAFAAAADwAAAAAAAAAAAAAAAAAAAkUAAAAAQAAABQAAAAUAAAAFAAAAAEAAAAAAAAAZAAAAGQAAAAAAAAAZAAAAGQAAAAVAAAAYAAAAAAAAAAAAAAADwAAACADAAAAAAAAAAAAAAEAAACgMgAAVgcAAKr4//8BAAAAf39/AAEAAABkAAAAAAAAABQAAABAHwAAAAAAACYAAAAAAAAAwOD//wAAAAAmAAAAZAAAABYAAABMAAAAAAAAAAAAAAAEAAAAAAAAAAEAAACAgIAKAAAAACgAAAAoAAAAZAAAAGQAAAAAAAAAzMzMAAAAAABQAAAAUAAAAGQAAABkAAAAAAAAABcAAAAUAAAAAAAAAAAAAAD/fwAA/38AAAAAAAAJAAAABAAAAAAAAAAeAAAAaAAAAAAAAAAAAAAAAAAAAAAAAAAAAAAAECcAABAnAAAAAAAAAAAAAAAAAAAAAAAAAAAAAAAAAAAAAAAAAAAAABQAAAAAAAAAwMD/AAAAAABkAAAAMgAAAAAAAABkAAAAAAAAAH9/fwAKAAAAIgAAABgAAAAAAAAAAAAAAAAAAAAAAAAAAAAAAAAAAAAkAAAAJAAAAAAAAAAHAAAAAAAAAAAAAAAAAAAAAAAAAAAAAAAAAAAAf39/ACUAAABYAAAAAAAAAAAAAAAAAAAAAAAAAAAAAAAAAAAAAAAAAAAAAAAAAAAAAAAAAAAAAAA/AAAAAAAAAKCGAQAAAAAAAAAAAAAAAAAMAAAAAQAAAAAAAAAAAAAAAAAAAB8AAABUAAAAAAAABQAAAAEAAAAAAAAAAAAAAAAAAAAAAAAAAAAAAAAAAAAAAAAAAAAAAAJ/f38AAAAAA8zMzADAwP8Af39/AAAAAAAAAAAAAAAAAAAAAAAAAAAAIQAAABgAAAAUAAAAwAMAANgJAABARwAAsCUAAAAAAAAmAAAACAAAAAEAAAAAAAAAMAAAABQAAAAAAAAAAAD//wAAAQAAAP//AAABAA=="/>
+              </a:ext>
+            </a:extLst>
+          </p:cNvSpPr>
+          <p:nvPr>
+            <p:ph type="body" idx="1"/>
+          </p:nvPr>
+        </p:nvSpPr>
+        <p:spPr>
+          <a:xfrm>
+            <a:off x="609600" y="1600200"/>
+            <a:ext cx="10972800" cy="4526280"/>
+          </a:xfrm>
+        </p:spPr>
+        <p:txBody>
+          <a:bodyPr/>
+          <a:lstStyle/>
+          <a:p>
+            <a:pPr marL="0" indent="0">
+              <a:buNone/>
+            </a:pPr>
+            <a:r>
+              <a:t>Приблизительно оценим вручную долю верных ответов в inference модели catboost:</a:t>
+            </a:r>
+          </a:p>
+          <a:p>
+            <a:pPr marL="0" indent="0">
+              <a:buNone/>
+            </a:pPr>
+            <a:r>
+              <a:t>в результатах inference выдал 10 объектов.</a:t>
+            </a:r>
+          </a:p>
+          <a:p>
+            <a:pPr marL="0" indent="0">
+              <a:buNone/>
+            </a:pPr>
+            <a:r>
+              <a:t>Все объекты подходят.</a:t>
+            </a:r>
+          </a:p>
+          <a:p>
+            <a:pPr marL="0" indent="0">
+              <a:buNone/>
+            </a:pPr>
+            <a:r>
+              <a:t>Получается accuracy: 1.</a:t>
+            </a:r>
+          </a:p>
+          <a:p>
+            <a:pPr marL="0" indent="0">
+              <a:buNone/>
+              <a:defRPr sz="2400" cap="none"/>
+            </a:pPr>
+            <a:r>
+              <a:t>Получается, что результаты более точные, чем при использовании Random Forest, но результатов меньше: Модель 1Б выдала, как минимум, 16 подходящих акций, а модель catboost только 10.</a:t>
+            </a:r>
+          </a:p>
+        </p:txBody>
+      </p:sp>
+    </p:spTree>
+  </p:cSld>
+  <p:clrMapOvr>
+    <a:masterClrMapping/>
+  </p:clrMapOvr>
+  <p:timing>
+    <p:tnLst>
+      <p:par>
+        <p:cTn id="1" dur="indefinite" restart="never" nodeType="tmRoot"/>
+      </p:par>
+    </p:tnLst>
+  </p:timing>
+</p:sld>
+</file>
+
+<file path=ppt/slides/slide9.xml><?xml version="1.0" encoding="utf-8"?>
+<p:sld xmlns:p="http://schemas.openxmlformats.org/presentationml/2006/main" xmlns:mc="http://schemas.openxmlformats.org/markup-compatibility/2006" xmlns:p14="http://schemas.microsoft.com/office/powerpoint/2010/main" xmlns:p15="http://schemas.microsoft.com/office/powerpoint/2012/main" xmlns:r="http://schemas.openxmlformats.org/officeDocument/2006/relationships" xmlns:a="http://schemas.openxmlformats.org/drawingml/2006/main" mc:Ignorable="p14">
+  <p:cSld>
+    <p:spTree>
+      <p:nvGrpSpPr>
+        <p:cNvPr id="1" name=""/>
+        <p:cNvGrpSpPr/>
+        <p:nvPr/>
+      </p:nvGrpSpPr>
+      <p:grpSpPr>
+        <a:xfrm>
+          <a:off x="0" y="0"/>
+          <a:ext cx="0" cy="0"/>
+          <a:chOff x="0" y="0"/>
+          <a:chExt cx="0" cy="0"/>
+        </a:xfrm>
+      </p:grpSpPr>
+      <p:sp>
+        <p:nvSpPr>
+          <p:cNvPr id="2" name="SlideTitle1"/>
+          <p:cNvSpPr>
+            <a:spLocks noGrp="1" noChangeArrowheads="1"/>
+            <a:extLst>
+              <a:ext uri="smNativeData">
+                <pr:smNativeData xmlns:pr="smNativeData" xmlns="smNativeData" val="SMDATA_16_zLafZxMAAAAlAAAAZAAAAA8BAAAAkAAAAEgAAACQAAAASAAAAAAAAAABAAAAAAAAAAEAAABQAAAAAAAAAAAA4D8AAAAAAADgPwAAAAAAAOA/AAAAAAAA4D8AAAAAAADgPwAAAAAAAOA/AAAAAAAA4D8AAAAAAADgPwAAAAAAAOA/AAAAAAAA4D8CAAAAjAAAAAAAAAAAAAAAu+DjDP///wgAAAAAAAAAAAAAAAAAAAAAAAAAAAAAAAAAAAAAZAAAAAEAAABAAAAAAAAAAAAAAAAAAAAAAAAAAAAAAAAAAAAAAAAAAAAAAAAAAAAAAAAAAAAAAAAAAAAAAAAAAAAAAAAAAAAAAAAAAAAAAAAAAAAAAAAAAAAAAAAAAAAAFAAAADwAAAAAAAAAAAAAAAAAAAkUAAAAAQAAABQAAAAUAAAAFAAAAAEAAAAAAAAAZAAAAGQAAAAAAAAAZAAAAGQAAAAVAAAAYAAAAAAAAAAAAAAADwAAACADAAAAAAAAAAAAAAEAAACgMgAAVgcAAKr4//8BAAAAf39/AAEAAABkAAAAAAAAABQAAABAHwAAAAAAACYAAAAAAAAAwOD//wAAAAAmAAAAZAAAABYAAABMAAAAAAAAAAAAAAAEAAAAAAAAAAEAAACAgIAKAAAAACgAAAAoAAAAZAAAAGQAAAAAAAAAzMzMAAAAAABQAAAAUAAAAGQAAABkAAAAAAAAABcAAAAUAAAAAAAAAAAAAAD/fwAA/38AAAAAAAAJAAAABAAAAAIAAAAeAAAAaAAAAAAAAAAAAAAAAAAAAAAAAAAAAAAAECcAABAnAAAAAAAAAAAAAAAAAAAAAAAAAAAAAAAAAAAAAAAAAAAAABQAAAAAAAAAwMD/AAAAAABkAAAAMgAAAAAAAABkAAAAAAAAAH9/fwAKAAAAIgAAABgAAAAAAAAAAAAAAAAAAAAAAAAAAAAAAAAAAAAkAAAAJAAAAAAAAAAHAAAAAAAAAAAAAAAAAAAAAAAAAAAAAAAAAAAAf39/ACUAAABYAAAAAAAAAAAAAAAAAAAAAAAAAAAAAAAAAAAAAAAAAAAAAAAAAAAAAAAAAAAAAAA/AAAAAAAAAKCGAQAAAAAAAAAAAAAAAAAMAAAAAQAAAAAAAAAAAAAAAAAAAB8AAABUAAAAAAAABQAAAAEAAAAAAAAAAAAAAAAAAAAAAAAAAAAAAAAAAAAAAAAAAAAAAAJ/f38AAAAAA8zMzADAwP8Af39/AAAAAAAAAAAAAAAAAAAAAAAAAAAAIQAAABgAAAAUAAAAwAMAALABAABARwAAuAgAABAAAAAmAAAACAAAAAAAAAAAAAAAMAAAABQAAAAAAAAAAAD//wAAAQAAAP//AAABAA=="/>
+              </a:ext>
+            </a:extLst>
+          </p:cNvSpPr>
+          <p:nvPr>
+            <p:ph type="title"/>
+          </p:nvPr>
+        </p:nvSpPr>
         <p:spPr/>
         <p:txBody>
           <a:bodyPr/>
           <a:lstStyle/>
           <a:p>
+            <a:pPr/>
+            <a:r>
+              <a:t>Сравнение и выводы</a:t>
+            </a:r>
+          </a:p>
+        </p:txBody>
+      </p:sp>
+      <p:sp>
+        <p:nvSpPr>
+          <p:cNvPr id="3" name="SlideText1"/>
+          <p:cNvSpPr>
+            <a:spLocks noGrp="1" noChangeArrowheads="1"/>
+            <a:extLst>
+              <a:ext uri="smNativeData">
+                <pr:smNativeData xmlns:pr="smNativeData" xmlns="smNativeData" val="SMDATA_16_zLafZxMAAAAlAAAAZAAAAA8BAAAAkAAAAEgAAACQAAAASAAAAAAAAAAAAAAAAAAAAAEAAABQAAAAAAAAAAAA4D8AAAAAAADgPwAAAAAAAOA/AAAAAAAA4D8AAAAAAADgPwAAAAAAAOA/AAAAAAAA4D8AAAAAAADgPwAAAAAAAOA/AAAAAAAA4D8CAAAAjAAAAAAAAAAAAAAAu+DjDP///wgAAAAAAAAAAAAAAAAAAAAAAAAAAAAAAAAAAAAAZAAAAAEAAABAAAAAAAAAAAAAAAAAAAAAAAAAAAAAAAAAAAAAAAAAAAAAAAAAAAAAAAAAAAAAAAAAAAAAAAAAAAAAAAAAAAAAAAAAAAAAAAAAAAAAAAAAAAAAAAAAAAAAFAAAADwAAAAAAAAAAAAAAAAAAAkUAAAAAQAAABQAAAAUAAAAFAAAAAEAAAAAAAAAZAAAAGQAAAAAAAAAZAAAAGQAAAAVAAAAYAAAAAAAAAAAAAAADwAAACADAAAAAAAAAAAAAAEAAACgMgAAVgcAAKr4//8BAAAAf39/AAEAAABkAAAAAAAAABQAAABAHwAAAAAAACYAAAAAAAAAwOD//wAAAAAmAAAAZAAAABYAAABMAAAAAAAAAAAAAAAEAAAAAAAAAAEAAACAgIAKAAAAACgAAAAoAAAAZAAAAGQAAAAAAAAAzMzMAAAAAABQAAAAUAAAAGQAAABkAAAAAAAAABcAAAAUAAAAAAAAAAAAAAD/fwAA/38AAAAAAAAJAAAABAAAAGFzZWweAAAAaAAAAAAAAAAAAAAAAAAAAAAAAAAAAAAAECcAABAnAAAAAAAAAAAAAAAAAAAAAAAAAAAAAAAAAAAAAAAAAAAAABQAAAAAAAAAwMD/AAAAAABkAAAAMgAAAAAAAABkAAAAAAAAAH9/fwAKAAAAIgAAABgAAAAAAAAAAAAAAAAAAAAAAAAAAAAAAAAAAAAkAAAAJAAAAAAAAAAHAAAAAAAAAAAAAAAAAAAAAAAAAAAAAAAAAAAAf39/ACUAAABYAAAAAAAAAAAAAAAAAAAAAAAAAAAAAAAAAAAAAAAAAAAAAAAAAAAAAAAAAAAAAAA/AAAAAAAAAKCGAQAAAAAAAAAAAAAAAAAMAAAAAQAAAAAAAAAAAAAAAAAAAB8AAABUAAAAAAAABQAAAAEAAAAAAAAAAAAAAAAAAAAAAAAAAAAAAAAAAAAAAAAAAAAAAAJ/f38AAAAAA8zMzADAwP8Af39/AAAAAAAAAAAAAAAAAAAAAAAAAAAAIQAAABgAAAAUAAAAwAMAANgJAABARwAAsCUAAAAAAAAmAAAACAAAAAEAAAAAAAAAMAAAABQAAAAAAAAAAAD//wAAAQAAAP//AAABAA=="/>
+              </a:ext>
+            </a:extLst>
+          </p:cNvSpPr>
+          <p:nvPr>
+            <p:ph type="body" idx="1"/>
+          </p:nvPr>
+        </p:nvSpPr>
+        <p:spPr>
+          <a:xfrm>
+            <a:off x="609600" y="1600200"/>
+            <a:ext cx="10972800" cy="4526280"/>
+          </a:xfrm>
+        </p:spPr>
+        <p:txBody>
+          <a:bodyPr/>
+          <a:lstStyle/>
+          <a:p>
             <a:pPr marL="0" indent="0">
               <a:buNone/>
             </a:pPr>
             <a:r>
-              <a:t>Использование модели позволяет</a:t>
-            </a:r>
-          </a:p>
-        </p:txBody>
-      </p:sp>
-      <p:sp>
-        <p:nvSpPr>
-          <p:cNvPr id="3" name="SlideText1"/>
-          <p:cNvSpPr>
-            <a:spLocks noGrp="1" noChangeArrowheads="1"/>
-            <a:extLst>
-              <a:ext uri="smNativeData">
-                <pr:smNativeData xmlns:pr="smNativeData" xmlns="smNativeData" val="SMDATA_16_oViJZxMAAAAlAAAAZAAAAA8BAAAAkAAAAEgAAACQAAAASAAAAAAAAAAAAAAAAAAAAAEAAABQAAAAAAAAAAAA4D8AAAAAAADgPwAAAAAAAOA/AAAAAAAA4D8AAAAAAADgPwAAAAAAAOA/AAAAAAAA4D8AAAAAAADgPwAAAAAAAOA/AAAAAAAA4D8CAAAAjAAAAAAAAAAAAAAAu+DjDP///wgAAAAAAAAAAAAAAAAAAAAAAAAAAAAAAAAAAAAAZAAAAAEAAABAAAAAAAAAAAAAAAAAAAAAAAAAAAAAAAAAAAAAAAAAAAAAAAAAAAAAAAAAAAAAAAAAAAAAAAAAAAAAAAAAAAAAAAAAAAAAAAAAAAAAAAAAAAAAAAAAAAAAFAAAADwAAAAAAAAAAAAAAAAAAAkUAAAAAQAAABQAAAAUAAAAFAAAAAEAAAAAAAAAZAAAAGQAAAAAAAAAZAAAAGQAAAAVAAAAYAAAAAAAAAAAAAAADwAAACADAAAAAAAAAAAAAAEAAACgMgAAVgcAAKr4//8BAAAAf39/AAEAAABkAAAAAAAAABQAAABAHwAAAAAAACYAAAAAAAAAwOD//wAAAAAmAAAAZAAAABYAAABMAAAAAAAAAAAAAAAEAAAAAAAAAAEAAACAgIAKAAAAACgAAAAoAAAAZAAAAGQAAAAAAAAAzMzMAAAAAABQAAAAUAAAAGQAAABkAAAAAAAAABcAAAAUAAAAAAAAAAAAAAD/fwAA/38AAAAAAAAJAAAABAAAAAAAAAAeAAAAaAAAAAAAAAAAAAAAAAAAAAAAAAAAAAAAECcAABAnAAAAAAAAAAAAAAAAAAAAAAAAAAAAAAAAAAAAAAAAAAAAABQAAAAAAAAAwMD/AAAAAABkAAAAMgAAAAAAAABkAAAAAAAAAH9/fwAKAAAAIgAAABgAAAAAAAAAAAAAAAAAAAAAAAAAAAAAAAAAAAAkAAAAJAAAAAAAAAAHAAAAAAAAAAAAAAAAAAAAAAAAAAAAAAAAAAAAf39/ACUAAABYAAAAAAAAAAAAAAAAAAAAAAAAAAAAAAAAAAAAAAAAAAAAAAAAAAAAAAAAAAAAAAA/AAAAAAAAAKCGAQAAAAAAAAAAAAAAAAAMAAAAAQAAAAAAAAAAAAAAAAAAAB8AAABUAAAAAAAABQAAAAEAAAAAAAAAAAAAAAAAAAAAAAAAAAAAAAAAAAAAAAAAAAAAAAJ/f38AAAAAA8zMzADAwP8Af39/AAAAAAAAAAAAAAAAAAAAAAAAAAAAIQAAABgAAAAUAAAAwAMAANgJAABARwAAsCUAABAAAAAmAAAACAAAAAAAAAAAAAAAMAAAABQAAAAAAAAAAAD//wAAAQAAAP//AAABAA=="/>
-              </a:ext>
-            </a:extLst>
-          </p:cNvSpPr>
-          <p:nvPr>
-            <p:ph type="body" idx="1"/>
-          </p:nvPr>
-        </p:nvSpPr>
-        <p:spPr/>
-        <p:txBody>
-          <a:bodyPr/>
-          <a:lstStyle/>
+              <a:t>Результаты: “открытий” больше не стало, но субъективно улучшилась доля верных ответов, Модель 1Б стала более прицельной, а модель  catboost показала самую высокую точность (за счет снижения покрытия).</a:t>
+            </a:r>
+          </a:p>
           <a:p>
             <a:pPr marL="0" indent="0">
               <a:buNone/>
-              <a:defRPr sz="2200" cap="none"/>
+              <a:defRPr sz="2400" cap="none"/>
             </a:pPr>
             <a:r>
-              <a:t>- расширить число акций в активе, потому что модель фильтрует акции беспристрастно и внимательно с высоким покрытием, исключается человеческий фактор;</a:t>
-            </a:r>
-          </a:p>
-          <a:p>
-            <a:pPr marL="0" indent="0">
-              <a:buNone/>
-              <a:defRPr sz="2200" cap="none"/>
-            </a:pPr>
-            <a:r>
-              <a:t>- пользователь автоматически получит информацию о новых появляющихся на бирже компаниях, которые будут захвачены классификатором;</a:t>
-            </a:r>
-          </a:p>
-          <a:p>
-            <a:pPr marL="0" indent="0">
-              <a:buNone/>
-              <a:defRPr sz="2200" cap="none"/>
-            </a:pPr>
-            <a:r>
-              <a:t>- исследовать рынок по выбранному категориальному критерию, потому что модель может «заметить» акции, на которые не обратил внимание человек (например, в случаях, когда неочевидно, что акция на самом деле подходит под критерии, а модель такие случаи может обнаружить) и привести к некоторым «открытиям»;</a:t>
-            </a:r>
-          </a:p>
-          <a:p>
-            <a:pPr marL="0" indent="0">
-              <a:buNone/>
-              <a:defRPr sz="2200" cap="none"/>
-            </a:pPr>
-            <a:r>
-              <a:t>- также, модель экономит время при многократном/периодическом использовании inference, потому что человеку пришлось бы неоднократно просматривать и анализировать информацию по всем акциям, на такую работу ушло бы больше времени. </a:t>
-            </a:r>
-          </a:p>
-          <a:p>
-            <a:pPr marL="0" indent="0">
-              <a:buNone/>
-              <a:defRPr sz="2200" cap="none"/>
-            </a:pPr>
+              <a:t>Практическое использование моделей в течение нек. времени показало, что 100 % качество не достигается (и пользователь может отметить единицы объектов для тренировки модели), но модель ML полезна. Можно сравнить с моделями распознавания пальцев или лиц: работает далеко не 100 %, но в работе помогает.</a:t>
+            </a:r>
           </a:p>
         </p:txBody>
       </p:sp>
@@ -5558,6 +5788,47 @@
       </a:clrScheme>
       <a:clrMap bg1="lt1" tx1="dk1" bg2="lt2" tx2="dk2" accent1="accent1" accent2="accent2" accent3="accent3" accent4="accent4" accent5="accent5" accent6="accent6" hlink="hlink" folHlink="folHlink"/>
     </a:extraClrScheme>
+    <a:extraClrScheme>
+      <a:clrScheme name="Presentation 18">
+        <a:dk1>
+          <a:srgbClr val="000000"/>
+        </a:dk1>
+        <a:lt1>
+          <a:srgbClr val="FFFFFF"/>
+        </a:lt1>
+        <a:dk2>
+          <a:srgbClr val="000000"/>
+        </a:dk2>
+        <a:lt2>
+          <a:srgbClr val="808080"/>
+        </a:lt2>
+        <a:accent1>
+          <a:srgbClr val="BBE0E3"/>
+        </a:accent1>
+        <a:accent2>
+          <a:srgbClr val="333399"/>
+        </a:accent2>
+        <a:accent3>
+          <a:srgbClr val="535379"/>
+        </a:accent3>
+        <a:accent4>
+          <a:srgbClr val="737359"/>
+        </a:accent4>
+        <a:accent5>
+          <a:srgbClr val="939339"/>
+        </a:accent5>
+        <a:accent6>
+          <a:srgbClr val="B3B319"/>
+        </a:accent6>
+        <a:hlink>
+          <a:srgbClr val="009999"/>
+        </a:hlink>
+        <a:folHlink>
+          <a:srgbClr val="99CC00"/>
+        </a:folHlink>
+      </a:clrScheme>
+      <a:clrMap bg1="lt1" tx1="dk1" bg2="lt2" tx2="dk2" accent1="accent1" accent2="accent2" accent3="accent3" accent4="accent4" accent5="accent5" accent6="accent6" hlink="hlink" folHlink="folHlink"/>
+    </a:extraClrScheme>
   </a:extraClrSchemeLst>
 </a:theme>
 </file>
--- a/Diploma/User cases при использовании моделей.pptx
+++ b/Diploma/User cases при использовании моделей.pptx
@@ -245,7 +245,7 @@
             <a:spLocks noGrp="1" noChangeArrowheads="1"/>
             <a:extLst>
               <a:ext uri="smNativeData">
-                <pr:smNativeData xmlns:pr="smNativeData" xmlns="smNativeData" val="SMDATA_16_zLafZxMAAAAlAAAAZAAAAA8BAAAAkAAAAEgAAACQAAAASAAAAAAAAAABAAAAAAAAAAEAAABQAAAAAAAAAAAA4D8AAAAAAADgPwAAAAAAAOA/AAAAAAAA4D8AAAAAAADgPwAAAAAAAOA/AAAAAAAA4D8AAAAAAADgPwAAAAAAAOA/AAAAAAAA4D8CAAAAjAAAAAAAAAAAAAAAu+DjDP///wgAAAAAAAAAAAAAAAAAAAAAAAAAAAAAAAAAAAAAZAAAAAEAAABAAAAAAAAAAAAAAAAAAAAAAAAAAAAAAAAAAAAAAAAAAAAAAAAAAAAAAAAAAAAAAAAAAAAAAAAAAAAAAAAAAAAAAAAAAAAAAAAAAAAAAAAAAAAAAAAAAAAAFAAAADwAAAAAAAAAAAAAAAAAAAkUAAAAAQAAABQAAAAUAAAAFAAAAAEAAAAAAAAAZAAAAGQAAAAAAAAAZAAAAGQAAAAVAAAAYAAAAAAAAAAAAAAADwAAACADAAAAAAAAAAAAAAEAAACgMgAAVgcAAKr4//8BAAAAf39/AAEAAABkAAAAAAAAABQAAABAHwAAAAAAACYAAAAAAAAAwOD//wAAAAAmAAAAZAAAABYAAABMAAAAAAAAAAAAAAAEAAAAAAAAAAEAAACAgIAKAAAAACgAAAAoAAAAZAAAAGQAAAAAAAAAzMzMAAAAAABQAAAAUAAAAGQAAABkAAAAAAAAABcAAAAUAAAAAAAAAAAAAAD/fwAA/38AAAAAAAAJAAAABAAAAAAAAAAeAAAAaAAAAAAAAAAAAAAAAAAAAAAAAAAAAAAAECcAABAnAAAAAAAAAAAAAAAAAAAAAAAAAAAAAAAAAAAAAAAAAAAAABQAAAAAAAAAwMD/AAAAAABkAAAAMgAAAAAAAABkAAAAAAAAAH9/fwAKAAAAIgAAABgAAAAAAAAAAAAAAAAAAAAAAAAAAAAAAAAAAAAkAAAAJAAAAAAAAAAHAAAAAAAAAAAAAAAAAAAAAAAAAAAAAAAAAAAAf39/ACUAAABYAAAAAAAAAAAAAAAAAAAAAAAAAAAAAAAAAAAAAAAAAAAAAAAAAAAAAAAAAAAAAAA/AAAAAAAAAKCGAQAAAAAAAAAAAAAAAAAMAAAAAQAAAAAAAAAAAAAAAAAAAB8AAABUAAAAAAAABQAAAAEAAAAAAAAAAAAAAAAAAAAAAAAAAAAAAAAAAAAAAAAAAAAAAAJ/f38AAAAAA8zMzADAwP8Af39/AAAAAAAAAAAAAAAAAAAAAAAAAAAAIQAAABgAAAAUAAAAoAUAABoNAABgRQAAJhYAABAAAAAmAAAACAAAAAEAAAAAAAAAMAAAABQAAAAAAAAAAAD//wAAAQAAAP//AAABAA=="/>
+                <pr:smNativeData xmlns:pr="smNativeData" xmlns="smNativeData" val="SMDATA_16_yvWgZxMAAAAlAAAAZAAAAA8BAAAAkAAAAEgAAACQAAAASAAAAAAAAAABAAAAAAAAAAEAAABQAAAAAAAAAAAA4D8AAAAAAADgPwAAAAAAAOA/AAAAAAAA4D8AAAAAAADgPwAAAAAAAOA/AAAAAAAA4D8AAAAAAADgPwAAAAAAAOA/AAAAAAAA4D8CAAAAjAAAAAAAAAAAAAAAu+DjDP///wgAAAAAAAAAAAAAAAAAAAAAAAAAAAAAAAAAAAAAZAAAAAEAAABAAAAAAAAAAAAAAAAAAAAAAAAAAAAAAAAAAAAAAAAAAAAAAAAAAAAAAAAAAAAAAAAAAAAAAAAAAAAAAAAAAAAAAAAAAAAAAAAAAAAAAAAAAAAAAAAAAAAAFAAAADwAAAAAAAAAAAAAAAAAAAkUAAAAAQAAABQAAAAUAAAAFAAAAAEAAAAAAAAAZAAAAGQAAAAAAAAAZAAAAGQAAAAVAAAAYAAAAAAAAAAAAAAADwAAACADAAAAAAAAAAAAAAEAAACgMgAAVgcAAKr4//8BAAAAf39/AAEAAABkAAAAAAAAABQAAABAHwAAAAAAACYAAAAAAAAAwOD//wAAAAAmAAAAZAAAABYAAABMAAAAAAAAAAAAAAAEAAAAAAAAAAEAAACAgIAKAAAAACgAAAAoAAAAZAAAAGQAAAAAAAAAzMzMAAAAAABQAAAAUAAAAGQAAABkAAAAAAAAABcAAAAUAAAAAAAAAAAAAAD/fwAA/38AAAAAAAAJAAAABAAAAAAAAAAeAAAAaAAAAAAAAAAAAAAAAAAAAAAAAAAAAAAAECcAABAnAAAAAAAAAAAAAAAAAAAAAAAAAAAAAAAAAAAAAAAAAAAAABQAAAAAAAAAwMD/AAAAAABkAAAAMgAAAAAAAABkAAAAAAAAAH9/fwAKAAAAIgAAABgAAAAAAAAAAAAAAAAAAAAAAAAAAAAAAAAAAAAkAAAAJAAAAAAAAAAHAAAAAAAAAAAAAAAAAAAAAAAAAAAAAAAAAAAAf39/ACUAAABYAAAAAAAAAAAAAAAAAAAAAAAAAAAAAAAAAAAAAAAAAAAAAAAAAAAAAAAAAAAAAAA/AAAAAAAAAKCGAQAAAAAAAAAAAAAAAAAMAAAAAQAAAAAAAAAAAAAAAAAAAB8AAABUAAAAAAAABQAAAAEAAAAAAAAAAAAAAAAAAAAAAAAAAAAAAAAAAAAAAAAAAAAAAAJ/f38AAAAAA8zMzADAwP8Af39/AAAAAAAAAAAAAAAAAAAAAAAAAAAAIQAAABgAAAAUAAAAoAUAABoNAABgRQAAJhYAABAAAAAmAAAACAAAAAEAAAAAAAAAMAAAABQAAAAAAAAAAAD//wAAAQAAAP//AAABAA=="/>
               </a:ext>
             </a:extLst>
           </p:cNvSpPr>
@@ -277,7 +277,7 @@
             <a:spLocks noGrp="1" noChangeArrowheads="1"/>
             <a:extLst>
               <a:ext uri="smNativeData">
-                <pr:smNativeData xmlns:pr="smNativeData" xmlns="smNativeData" val="SMDATA_16_zLafZxMAAAAlAAAAZAAAAA8BAAAAkAAAAEgAAACQAAAASAAAAAAAAAAAAAAAAAAAAAEAAABQAAAAAAAAAAAA4D8AAAAAAADgPwAAAAAAAOA/AAAAAAAA4D8AAAAAAADgPwAAAAAAAOA/AAAAAAAA4D8AAAAAAADgPwAAAAAAAOA/AAAAAAAA4D8CAAAAjAAAAAAAAAAAAAAAu+DjDP///wgAAAAAAAAAAAAAAAAAAAAAAAAAAAAAAAAAAAAAZAAAAAEAAABAAAAAAAAAAAAAAAAAAAAAAAAAAAAAAAAAAAAAAAAAAAAAAAAAAAAAAAAAAAAAAAAAAAAAAAAAAAAAAAAAAAAAAAAAAAAAAAAAAAAAAAAAAAAAAAAAAAAAFAAAADwAAAAAAAAAAAAAAAAAAAkUAAAAAQAAABQAAAAUAAAAFAAAAAEAAAAAAAAAZAAAAGQAAAAAAAAAZAAAAGQAAAAVAAAAYAAAAAAAAAAAAAAADwAAACADAAAAAAAAAAAAAAEAAACgMgAAVgcAAKr4//8BAAAAf39/AAEAAABkAAAAAAAAABQAAABAHwAAAAAAACYAAAAAAAAAwOD//wAAAAAmAAAAZAAAABYAAABMAAAAAAAAAAAAAAAEAAAAAAAAAAEAAACAgIAKAAAAACgAAAAoAAAAZAAAAGQAAAAAAAAAzMzMAAAAAABQAAAAUAAAAGQAAABkAAAAAAAAABcAAAAUAAAAAAAAAAAAAAD/fwAA/38AAAAAAAAJAAAABAAAAAAAAAAeAAAAaAAAAAAAAAAAAAAAAAAAAAAAAAAAAAAAECcAABAnAAAAAAAAAAAAAAAAAAAAAAAAAAAAAAAAAAAAAAAAAAAAABQAAAAAAAAAwMD/AAAAAABkAAAAMgAAAAAAAABkAAAAAAAAAH9/fwAKAAAAIgAAABgAAAAAAAAAAAAAAAAAAAAAAAAAAAAAAAAAAAAkAAAAJAAAAAAAAAAHAAAAAAAAAAAAAAAAAAAAAAAAAAAAAAAAAAAAf39/ACUAAABYAAAAAAAAAAAAAAAAAAAAAAAAAAAAAAAAAAAAAAAAAAAAAAAAAAAAAAAAAAAAAAA/AAAAAAAAAKCGAQAAAAAAAAAAAAAAAAAMAAAAAQAAAAAAAAAAAAAAAAAAAB8AAABUAAAAAAAABQAAAAEAAAAAAAAAAAAAAAAAAAAAAAAAAAAAAAAAAAAAAAAAAAAAAAJ/f38AAAAAA8zMzADAwP8Af39/AAAAAAAAAAAAAAAAAAAAAAAAAAAAIQAAABgAAAAUAAAAQAsAAOgXAADAPwAAsCIAABAAAAAmAAAACAAAAAGAAAAAAAAAMAAAABQAAAAAAAAAAAD//wAAAQAAAP//AAABAA=="/>
+                <pr:smNativeData xmlns:pr="smNativeData" xmlns="smNativeData" val="SMDATA_16_yvWgZxMAAAAlAAAAZAAAAA8BAAAAkAAAAEgAAACQAAAASAAAAAAAAAAAAAAAAAAAAAEAAABQAAAAAAAAAAAA4D8AAAAAAADgPwAAAAAAAOA/AAAAAAAA4D8AAAAAAADgPwAAAAAAAOA/AAAAAAAA4D8AAAAAAADgPwAAAAAAAOA/AAAAAAAA4D8CAAAAjAAAAAAAAAAAAAAAu+DjDP///wgAAAAAAAAAAAAAAAAAAAAAAAAAAAAAAAAAAAAAZAAAAAEAAABAAAAAAAAAAAAAAAAAAAAAAAAAAAAAAAAAAAAAAAAAAAAAAAAAAAAAAAAAAAAAAAAAAAAAAAAAAAAAAAAAAAAAAAAAAAAAAAAAAAAAAAAAAAAAAAAAAAAAFAAAADwAAAAAAAAAAAAAAAAAAAkUAAAAAQAAABQAAAAUAAAAFAAAAAEAAAAAAAAAZAAAAGQAAAAAAAAAZAAAAGQAAAAVAAAAYAAAAAAAAAAAAAAADwAAACADAAAAAAAAAAAAAAEAAACgMgAAVgcAAKr4//8BAAAAf39/AAEAAABkAAAAAAAAABQAAABAHwAAAAAAACYAAAAAAAAAwOD//wAAAAAmAAAAZAAAABYAAABMAAAAAAAAAAAAAAAEAAAAAAAAAAEAAACAgIAKAAAAACgAAAAoAAAAZAAAAGQAAAAAAAAAzMzMAAAAAABQAAAAUAAAAGQAAABkAAAAAAAAABcAAAAUAAAAAAAAAAAAAAD/fwAA/38AAAAAAAAJAAAABAAAAAAAAAAeAAAAaAAAAAAAAAAAAAAAAAAAAAAAAAAAAAAAECcAABAnAAAAAAAAAAAAAAAAAAAAAAAAAAAAAAAAAAAAAAAAAAAAABQAAAAAAAAAwMD/AAAAAABkAAAAMgAAAAAAAABkAAAAAAAAAH9/fwAKAAAAIgAAABgAAAAAAAAAAAAAAAAAAAAAAAAAAAAAAAAAAAAkAAAAJAAAAAAAAAAHAAAAAAAAAAAAAAAAAAAAAAAAAAAAAAAAAAAAf39/ACUAAABYAAAAAAAAAAAAAAAAAAAAAAAAAAAAAAAAAAAAAAAAAAAAAAAAAAAAAAAAAAAAAAA/AAAAAAAAAKCGAQAAAAAAAAAAAAAAAAAMAAAAAQAAAAAAAAAAAAAAAAAAAB8AAABUAAAAAAAABQAAAAEAAAAAAAAAAAAAAAAAAAAAAAAAAAAAAAAAAAAAAAAAAAAAAAJ/f38AAAAAA8zMzADAwP8Af39/AAAAAAAAAAAAAAAAAAAAAAAAAAAAIQAAABgAAAAUAAAAQAsAAOgXAADAPwAAsCIAABAAAAAmAAAACAAAAAGAAAAAAAAAMAAAABQAAAAAAAAAAAD//wAAAQAAAP//AAABAA=="/>
               </a:ext>
             </a:extLst>
           </p:cNvSpPr>
@@ -337,7 +337,7 @@
             <a:spLocks noGrp="1" noChangeArrowheads="1"/>
             <a:extLst>
               <a:ext uri="smNativeData">
-                <pr:smNativeData xmlns:pr="smNativeData" xmlns="smNativeData" val="SMDATA_16_zLafZxMAAAAlAAAAZAAAAA8BAAAAkAAAAEgAAACQAAAASAAAAAAAAAABAAAAAAAAAAEAAABQAAAAAAAAAAAA4D8AAAAAAADgPwAAAAAAAOA/AAAAAAAA4D8AAAAAAADgPwAAAAAAAOA/AAAAAAAA4D8AAAAAAADgPwAAAAAAAOA/AAAAAAAA4D8CAAAAjAAAAAAAAAAAAAAAu+DjDP///wgAAAAAAAAAAAAAAAAAAAAAAAAAAAAAAAAAAAAAZAAAAAEAAABAAAAAAAAAAAAAAAAAAAAAAAAAAAAAAAAAAAAAAAAAAAAAAAAAAAAAAAAAAAAAAAAAAAAAAAAAAAAAAAAAAAAAAAAAAAAAAAAAAAAAAAAAAAAAAAAAAAAAFAAAADwAAAAAAAAAAAAAAAAAAAkUAAAAAQAAABQAAAAUAAAAFAAAAAEAAAAAAAAAZAAAAGQAAAAAAAAAZAAAAGQAAAAVAAAAYAAAAAAAAAAAAAAADwAAACADAAAAAAAAAAAAAAEAAACgMgAAVgcAAKr4//8BAAAAf39/AAEAAABkAAAAAAAAABQAAABAHwAAAAAAACYAAAAAAAAAwOD//wAAAAAmAAAAZAAAABYAAABMAAAAAAAAAAAAAAAEAAAAAAAAAAEAAACAgIAKAAAAACgAAAAoAAAAZAAAAGQAAAAAAAAAzMzMAAAAAABQAAAAUAAAAGQAAABkAAAAAAAAABcAAAAUAAAAAAAAAAAAAAD/fwAA/38AAAAAAAAJAAAABAAAAAAAAAAeAAAAaAAAAAAAAAAAAAAAAAAAAAAAAAAAAAAAECcAABAnAAAAAAAAAAAAAAAAAAAAAAAAAAAAAAAAAAAAAAAAAAAAABQAAAAAAAAAwMD/AAAAAABkAAAAMgAAAAAAAABkAAAAAAAAAH9/fwAKAAAAIgAAABgAAAAAAAAAAAAAAAAAAAAAAAAAAAAAAAAAAAAkAAAAJAAAAAAAAAAHAAAAAAAAAAAAAAAAAAAAAAAAAAAAAAAAAAAAf39/ACUAAABYAAAAAAAAAAAAAAAAAAAAAAAAAAAAAAAAAAAAAAAAAAAAAAAAAAAAAAAAAAAAAAA/AAAAAAAAAKCGAQAAAAAAAAAAAAAAAAAMAAAAAQAAAAAAAAAAAAAAAAAAAB8AAABUAAAAAAAABQAAAAEAAAAAAAAAAAAAAAAAAAAAAAAAAAAAAAAAAAAAAAAAAAAAAAJ/f38AAAAAA8zMzADAwP8Af39/AAAAAAAAAAAAAAAAAAAAAAAAAAAAIQAAABgAAAAUAAAAwAMAABsnAAA/FQAAWSkAABAAAAAmAAAACAAAAAAAAAAAAAAAMAAAABQAAAAAAAAAAAD//wAAAQAAAP//AAABAA=="/>
+                <pr:smNativeData xmlns:pr="smNativeData" xmlns="smNativeData" val="SMDATA_16_yvWgZxMAAAAlAAAAZAAAAA8BAAAAkAAAAEgAAACQAAAASAAAAAAAAAABAAAAAAAAAAEAAABQAAAAAAAAAAAA4D8AAAAAAADgPwAAAAAAAOA/AAAAAAAA4D8AAAAAAADgPwAAAAAAAOA/AAAAAAAA4D8AAAAAAADgPwAAAAAAAOA/AAAAAAAA4D8CAAAAjAAAAAAAAAAAAAAAu+DjDP///wgAAAAAAAAAAAAAAAAAAAAAAAAAAAAAAAAAAAAAZAAAAAEAAABAAAAAAAAAAAAAAAAAAAAAAAAAAAAAAAAAAAAAAAAAAAAAAAAAAAAAAAAAAAAAAAAAAAAAAAAAAAAAAAAAAAAAAAAAAAAAAAAAAAAAAAAAAAAAAAAAAAAAFAAAADwAAAAAAAAAAAAAAAAAAAkUAAAAAQAAABQAAAAUAAAAFAAAAAEAAAAAAAAAZAAAAGQAAAAAAAAAZAAAAGQAAAAVAAAAYAAAAAAAAAAAAAAADwAAACADAAAAAAAAAAAAAAEAAACgMgAAVgcAAKr4//8BAAAAf39/AAEAAABkAAAAAAAAABQAAABAHwAAAAAAACYAAAAAAAAAwOD//wAAAAAmAAAAZAAAABYAAABMAAAAAAAAAAAAAAAEAAAAAAAAAAEAAACAgIAKAAAAACgAAAAoAAAAZAAAAGQAAAAAAAAAzMzMAAAAAABQAAAAUAAAAGQAAABkAAAAAAAAABcAAAAUAAAAAAAAAAAAAAD/fwAA/38AAAAAAAAJAAAABAAAAAAAAAAeAAAAaAAAAAAAAAAAAAAAAAAAAAAAAAAAAAAAECcAABAnAAAAAAAAAAAAAAAAAAAAAAAAAAAAAAAAAAAAAAAAAAAAABQAAAAAAAAAwMD/AAAAAABkAAAAMgAAAAAAAABkAAAAAAAAAH9/fwAKAAAAIgAAABgAAAAAAAAAAAAAAAAAAAAAAAAAAAAAAAAAAAAkAAAAJAAAAAAAAAAHAAAAAAAAAAAAAAAAAAAAAAAAAAAAAAAAAAAAf39/ACUAAABYAAAAAAAAAAAAAAAAAAAAAAAAAAAAAAAAAAAAAAAAAAAAAAAAAAAAAAAAAAAAAAA/AAAAAAAAAKCGAQAAAAAAAAAAAAAAAAAMAAAAAQAAAAAAAAAAAAAAAAAAAB8AAABUAAAAAAAABQAAAAEAAAAAAAAAAAAAAAAAAAAAAAAAAAAAAAAAAAAAAAAAAAAAAAJ/f38AAAAAA8zMzADAwP8Af39/AAAAAAAAAAAAAAAAAAAAAAAAAAAAIQAAABgAAAAUAAAAwAMAABsnAAA/FQAAWSkAABAAAAAmAAAACAAAAAAAAAAAAAAAMAAAABQAAAAAAAAAAAD//wAAAQAAAP//AAABAA=="/>
               </a:ext>
             </a:extLst>
           </p:cNvSpPr>
@@ -351,7 +351,7 @@
           <a:lstStyle/>
           <a:p>
             <a:pPr/>
-            <a:fld id="{3FC49402-4CD2-9162-9C7C-BA37DA326AEF}" type="datetime1">
+            <a:fld id="{3D144F40-0ED0-41B9-9EAC-F8EC01E268AD}" type="datetime1">
               <a:t/>
             </a:fld>
           </a:p>
@@ -364,7 +364,7 @@
             <a:spLocks noGrp="1" noChangeArrowheads="1"/>
             <a:extLst>
               <a:ext uri="smNativeData">
-                <pr:smNativeData xmlns:pr="smNativeData" xmlns="smNativeData" val="SMDATA_16_zLafZxMAAAAlAAAAZAAAAA8BAAAAkAAAAEgAAACQAAAASAAAAAAAAAABAAAAAAAAAAEAAABQAAAAAAAAAAAA4D8AAAAAAADgPwAAAAAAAOA/AAAAAAAA4D8AAAAAAADgPwAAAAAAAOA/AAAAAAAA4D8AAAAAAADgPwAAAAAAAOA/AAAAAAAA4D8CAAAAjAAAAAAAAAAAAAAAu+DjDP///wgAAAAAAAAAAAAAAAAAAAAAAAAAAAAAAAAAAAAAZAAAAAEAAABAAAAAAAAAAAAAAAAAAAAAAAAAAAAAAAAAAAAAAAAAAAAAAAAAAAAAAAAAAAAAAAAAAAAAAAAAAAAAAAAAAAAAAAAAAAAAAAAAAAAAAAAAAAAAAAAAAAAAFAAAADwAAAAAAAAAAAAAAAAAAAkUAAAAAQAAABQAAAAUAAAAFAAAAAEAAAAAAAAAZAAAAGQAAAAAAAAAZAAAAGQAAAAVAAAAYAAAAAAAAAAAAAAADwAAACADAAAAAAAAAAAAAAEAAACgMgAAVgcAAKr4//8BAAAAf39/AAEAAABkAAAAAAAAABQAAABAHwAAAAAAACYAAAAAAAAAwOD//wAAAAAmAAAAZAAAABYAAABMAAAAAAAAAAAAAAAEAAAAAAAAAAEAAACAgIAKAAAAACgAAAAoAAAAZAAAAGQAAAAAAAAAzMzMAAAAAABQAAAAUAAAAGQAAABkAAAAAAAAABcAAAAUAAAAAAAAAAAAAAD/fwAA/38AAAAAAAAJAAAABAAAAAAAAAAeAAAAaAAAAAAAAAAAAAAAAAAAAAAAAAAAAAAAECcAABAnAAAAAAAAAAAAAAAAAAAAAAAAAAAAAAAAAAAAAAAAAAAAABQAAAAAAAAAwMD/AAAAAABkAAAAMgAAAAAAAABkAAAAAAAAAH9/fwAKAAAAIgAAABgAAAAAAAAAAAAAAAAAAAAAAAAAAAAAAAAAAAAkAAAAJAAAAAAAAAAHAAAAAAAAAAAAAAAAAAAAAAAAAAAAAAAAAAAAf39/ACUAAABYAAAAAAAAAAAAAAAAAAAAAAAAAAAAAAAAAAAAAAAAAAAAAAAAAAAAAAAAAAAAAAA/AAAAAAAAAKCGAQAAAAAAAAAAAAAAAAAMAAAAAQAAAAAAAAAAAAAAAAAAAB8AAABUAAAAAAAABQAAAAEAAAAAAAAAAAAAAAAAAAAAAAAAAAAAAAAAAAAAAAAAAAAAAAJ/f38AAAAAA8zMzADAwP8Af39/AAAAAAAAAAAAAAAAAAAAAAAAAAAAIQAAABgAAAAUAAAAoRkAABsnAABfMQAAWSkAABAAAAAmAAAACAAAAAAAAAAAAAAAMAAAABQAAAAAAAAAAAD//wAAAQAAAP//AAABAA=="/>
+                <pr:smNativeData xmlns:pr="smNativeData" xmlns="smNativeData" val="SMDATA_16_yvWgZxMAAAAlAAAAZAAAAA8BAAAAkAAAAEgAAACQAAAASAAAAAAAAAABAAAAAAAAAAEAAABQAAAAAAAAAAAA4D8AAAAAAADgPwAAAAAAAOA/AAAAAAAA4D8AAAAAAADgPwAAAAAAAOA/AAAAAAAA4D8AAAAAAADgPwAAAAAAAOA/AAAAAAAA4D8CAAAAjAAAAAAAAAAAAAAAu+DjDP///wgAAAAAAAAAAAAAAAAAAAAAAAAAAAAAAAAAAAAAZAAAAAEAAABAAAAAAAAAAAAAAAAAAAAAAAAAAAAAAAAAAAAAAAAAAAAAAAAAAAAAAAAAAAAAAAAAAAAAAAAAAAAAAAAAAAAAAAAAAAAAAAAAAAAAAAAAAAAAAAAAAAAAFAAAADwAAAAAAAAAAAAAAAAAAAkUAAAAAQAAABQAAAAUAAAAFAAAAAEAAAAAAAAAZAAAAGQAAAAAAAAAZAAAAGQAAAAVAAAAYAAAAAAAAAAAAAAADwAAACADAAAAAAAAAAAAAAEAAACgMgAAVgcAAKr4//8BAAAAf39/AAEAAABkAAAAAAAAABQAAABAHwAAAAAAACYAAAAAAAAAwOD//wAAAAAmAAAAZAAAABYAAABMAAAAAAAAAAAAAAAEAAAAAAAAAAEAAACAgIAKAAAAACgAAAAoAAAAZAAAAGQAAAAAAAAAzMzMAAAAAABQAAAAUAAAAGQAAABkAAAAAAAAABcAAAAUAAAAAAAAAAAAAAD/fwAA/38AAAAAAAAJAAAABAAAAAAAAAAeAAAAaAAAAAAAAAAAAAAAAAAAAAAAAAAAAAAAECcAABAnAAAAAAAAAAAAAAAAAAAAAAAAAAAAAAAAAAAAAAAAAAAAABQAAAAAAAAAwMD/AAAAAABkAAAAMgAAAAAAAABkAAAAAAAAAH9/fwAKAAAAIgAAABgAAAAAAAAAAAAAAAAAAAAAAAAAAAAAAAAAAAAkAAAAJAAAAAAAAAAHAAAAAAAAAAAAAAAAAAAAAAAAAAAAAAAAAAAAf39/ACUAAABYAAAAAAAAAAAAAAAAAAAAAAAAAAAAAAAAAAAAAAAAAAAAAAAAAAAAAAAAAAAAAAA/AAAAAAAAAKCGAQAAAAAAAAAAAAAAAAAMAAAAAQAAAAAAAAAAAAAAAAAAAB8AAABUAAAAAAAABQAAAAEAAAAAAAAAAAAAAAAAAAAAAAAAAAAAAAAAAAAAAAAAAAAAAAJ/f38AAAAAA8zMzADAwP8Af39/AAAAAAAAAAAAAAAAAAAAAAAAAAAAIQAAABgAAAAUAAAAoRkAABsnAABfMQAAWSkAABAAAAAmAAAACAAAAAAAAAAAAAAAMAAAABQAAAAAAAAAAAD//wAAAQAAAP//AAABAA=="/>
               </a:ext>
             </a:extLst>
           </p:cNvSpPr>
@@ -388,7 +388,7 @@
             <a:spLocks noGrp="1" noChangeArrowheads="1"/>
             <a:extLst>
               <a:ext uri="smNativeData">
-                <pr:smNativeData xmlns:pr="smNativeData" xmlns="smNativeData" val="SMDATA_16_zLafZxMAAAAlAAAAZAAAAA8BAAAAkAAAAEgAAACQAAAASAAAAAAAAAABAAAAAAAAAAEAAABQAAAAAAAAAAAA4D8AAAAAAADgPwAAAAAAAOA/AAAAAAAA4D8AAAAAAADgPwAAAAAAAOA/AAAAAAAA4D8AAAAAAADgPwAAAAAAAOA/AAAAAAAA4D8CAAAAjAAAAAAAAAAAAAAAu+DjDP///wgAAAAAAAAAAAAAAAAAAAAAAAAAAAAAAAAAAAAAZAAAAAEAAABAAAAAAAAAAAAAAAAAAAAAAAAAAAAAAAAAAAAAAAAAAAAAAAAAAAAAAAAAAAAAAAAAAAAAAAAAAAAAAAAAAAAAAAAAAAAAAAAAAAAAAAAAAAAAAAAAAAAAFAAAADwAAAAAAAAAAAAAAAAAAAkUAAAAAQAAABQAAAAUAAAAFAAAAAEAAAAAAAAAZAAAAGQAAAAAAAAAZAAAAGQAAAAVAAAAYAAAAAAAAAAAAAAADwAAACADAAAAAAAAAAAAAAEAAACgMgAAVgcAAKr4//8BAAAAf39/AAEAAABkAAAAAAAAABQAAABAHwAAAAAAACYAAAAAAAAAwOD//wAAAAAmAAAAZAAAABYAAABMAAAAAAAAAAAAAAAEAAAAAAAAAAEAAACAgIAKAAAAACgAAAAoAAAAZAAAAGQAAAAAAAAAzMzMAAAAAABQAAAAUAAAAGQAAABkAAAAAAAAABcAAAAUAAAAAAAAAAAAAAD/fwAA/38AAAAAAAAJAAAABAAAAHsAfAAeAAAAaAAAAAAAAAAAAAAAAAAAAAAAAAAAAAAAECcAABAnAAAAAAAAAAAAAAAAAAAAAAAAAAAAAAAAAAAAAAAAAAAAABQAAAAAAAAAwMD/AAAAAABkAAAAMgAAAAAAAABkAAAAAAAAAH9/fwAKAAAAIgAAABgAAAAAAAAAAAAAAAAAAAAAAAAAAAAAAAAAAAAkAAAAJAAAAAAAAAAHAAAAAAAAAAAAAAAAAAAAAAAAAAAAAAAAAAAAf39/ACUAAABYAAAAAAAAAAAAAAAAAAAAAAAAAAAAAAAAAAAAAAAAAAAAAAAAAAAAAAAAAAAAAAA/AAAAAAAAAKCGAQAAAAAAAAAAAAAAAAAMAAAAAQAAAAAAAAAAAAAAAAAAAB8AAABUAAAAAAAABQAAAAEAAAAAAAAAAAAAAAAAAAAAAAAAAAAAAAAAAAAAAAAAAAAAAAJ/f38AAAAAA8zMzADAwP8Af39/AAAAAAAAAAAAAAAAAAAAAAAAAAAAIQAAABgAAAAUAAAAwTUAABsnAABARwAAWSkAABAAAAAmAAAACAAAAAAAAAAAAAAAMAAAABQAAAAAAAAAAAD//wAAAQAAAP//AAABAA=="/>
+                <pr:smNativeData xmlns:pr="smNativeData" xmlns="smNativeData" val="SMDATA_16_yvWgZxMAAAAlAAAAZAAAAA8BAAAAkAAAAEgAAACQAAAASAAAAAAAAAABAAAAAAAAAAEAAABQAAAAAAAAAAAA4D8AAAAAAADgPwAAAAAAAOA/AAAAAAAA4D8AAAAAAADgPwAAAAAAAOA/AAAAAAAA4D8AAAAAAADgPwAAAAAAAOA/AAAAAAAA4D8CAAAAjAAAAAAAAAAAAAAAu+DjDP///wgAAAAAAAAAAAAAAAAAAAAAAAAAAAAAAAAAAAAAZAAAAAEAAABAAAAAAAAAAAAAAAAAAAAAAAAAAAAAAAAAAAAAAAAAAAAAAAAAAAAAAAAAAAAAAAAAAAAAAAAAAAAAAAAAAAAAAAAAAAAAAAAAAAAAAAAAAAAAAAAAAAAAFAAAADwAAAAAAAAAAAAAAAAAAAkUAAAAAQAAABQAAAAUAAAAFAAAAAEAAAAAAAAAZAAAAGQAAAAAAAAAZAAAAGQAAAAVAAAAYAAAAAAAAAAAAAAADwAAACADAAAAAAAAAAAAAAEAAACgMgAAVgcAAKr4//8BAAAAf39/AAEAAABkAAAAAAAAABQAAABAHwAAAAAAACYAAAAAAAAAwOD//wAAAAAmAAAAZAAAABYAAABMAAAAAAAAAAAAAAAEAAAAAAAAAAEAAACAgIAKAAAAACgAAAAoAAAAZAAAAGQAAAAAAAAAzMzMAAAAAABQAAAAUAAAAGQAAABkAAAAAAAAABcAAAAUAAAAAAAAAAAAAAD/fwAA/38AAAAAAAAJAAAABAAAAHsAfAAeAAAAaAAAAAAAAAAAAAAAAAAAAAAAAAAAAAAAECcAABAnAAAAAAAAAAAAAAAAAAAAAAAAAAAAAAAAAAAAAAAAAAAAABQAAAAAAAAAwMD/AAAAAABkAAAAMgAAAAAAAABkAAAAAAAAAH9/fwAKAAAAIgAAABgAAAAAAAAAAAAAAAAAAAAAAAAAAAAAAAAAAAAkAAAAJAAAAAAAAAAHAAAAAAAAAAAAAAAAAAAAAAAAAAAAAAAAAAAAf39/ACUAAABYAAAAAAAAAAAAAAAAAAAAAAAAAAAAAAAAAAAAAAAAAAAAAAAAAAAAAAAAAAAAAAA/AAAAAAAAAKCGAQAAAAAAAAAAAAAAAAAMAAAAAQAAAAAAAAAAAAAAAAAAAB8AAABUAAAAAAAABQAAAAEAAAAAAAAAAAAAAAAAAAAAAAAAAAAAAAAAAAAAAAAAAAAAAAJ/f38AAAAAA8zMzADAwP8Af39/AAAAAAAAAAAAAAAAAAAAAAAAAAAAIQAAABgAAAAUAAAAwTUAABsnAABARwAAWSkAABAAAAAmAAAACAAAAAAAAAAAAAAAMAAAABQAAAAAAAAAAAD//wAAAQAAAP//AAABAA=="/>
               </a:ext>
             </a:extLst>
           </p:cNvSpPr>
@@ -402,7 +402,7 @@
           <a:lstStyle/>
           <a:p>
             <a:pPr/>
-            <a:fld id="{3FC4A58E-C0D2-9153-9C7C-3606EB326A63}" type="slidenum">
+            <a:fld id="{3D14590B-45D0-41AF-9EAC-B3FA17E268E6}" type="slidenum">
               <a:t/>
             </a:fld>
           </a:p>
@@ -441,7 +441,7 @@
             <a:spLocks noGrp="1" noChangeArrowheads="1"/>
             <a:extLst>
               <a:ext uri="smNativeData">
-                <pr:smNativeData xmlns:pr="smNativeData" xmlns="smNativeData" val="SMDATA_16_zLafZxMAAAAlAAAAZAAAAA8BAAAAkAAAAEgAAACQAAAASAAAAAAAAAABAAAAAAAAAAEAAABQAAAAAAAAAAAA4D8AAAAAAADgPwAAAAAAAOA/AAAAAAAA4D8AAAAAAADgPwAAAAAAAOA/AAAAAAAA4D8AAAAAAADgPwAAAAAAAOA/AAAAAAAA4D8CAAAAjAAAAAAAAAAAAAAAu+DjDP///wgAAAAAAAAAAAAAAAAAAAAAAAAAAAAAAAAAAAAAZAAAAAEAAABAAAAAAAAAAAAAAAAAAAAAAAAAAAAAAAAAAAAAAAAAAAAAAAAAAAAAAAAAAAAAAAAAAAAAAAAAAAAAAAAAAAAAAAAAAAAAAAAAAAAAAAAAAAAAAAAAAAAAFAAAADwAAAAAAAAAAAAAAAAAAAkUAAAAAQAAABQAAAAUAAAAFAAAAAEAAAAAAAAAZAAAAGQAAAAAAAAAZAAAAGQAAAAVAAAAYAAAAAAAAAAAAAAADwAAACADAAAAAAAAAAAAAAEAAACgMgAAVgcAAKr4//8BAAAAf39/AAEAAABkAAAAAAAAABQAAABAHwAAAAAAACYAAAAAAAAAwOD//wAAAAAmAAAAZAAAABYAAABMAAAAAAAAAAAAAAAEAAAAAAAAAAEAAACAgIAKAAAAACgAAAAoAAAAZAAAAGQAAAAAAAAAzMzMAAAAAABQAAAAUAAAAGQAAABkAAAAAAAAABcAAAAUAAAAAAAAAAAAAAD/fwAA/38AAAAAAAAJAAAABAAAAG49IjEeAAAAaAAAAAAAAAAAAAAAAAAAAAAAAAAAAAAAECcAABAnAAAAAAAAAAAAAAAAAAAAAAAAAAAAAAAAAAAAAAAAAAAAABQAAAAAAAAAwMD/AAAAAABkAAAAMgAAAAAAAABkAAAAAAAAAH9/fwAKAAAAIgAAABgAAAAAAAAAAAAAAAAAAAAAAAAAAAAAAAAAAAAkAAAAJAAAAAAAAAAHAAAAAAAAAAAAAAAAAAAAAAAAAAAAAAAAAAAAf39/ACUAAABYAAAAAAAAAAAAAAAAAAAAAAAAAAAAAAAAAAAAAAAAAAAAAAAAAAAAAAAAAAAAAAA/AAAAAAAAAKCGAQAAAAAAAAAAAAAAAAAMAAAAAQAAAAAAAAAAAAAAAAAAAB8AAABUAAAAAAAABQAAAAEAAAAAAAAAAAAAAAAAAAAAAAAAAAAAAAAAAAAAAAAAAAAAAAJ/f38AAAAAA8zMzADAwP8Af39/AAAAAAAAAAAAAAAAAAAAAAAAAAAAIQAAABgAAAAUAAAAwAMAALABAABARwAAuAgAABAAAAAmAAAACAAAAAAAAAAAAAAAMAAAABQAAAAAAAAAAAD//wAAAQAAAP//AAABAA=="/>
+                <pr:smNativeData xmlns:pr="smNativeData" xmlns="smNativeData" val="SMDATA_16_yvWgZxMAAAAlAAAAZAAAAA8BAAAAkAAAAEgAAACQAAAASAAAAAAAAAABAAAAAAAAAAEAAABQAAAAAAAAAAAA4D8AAAAAAADgPwAAAAAAAOA/AAAAAAAA4D8AAAAAAADgPwAAAAAAAOA/AAAAAAAA4D8AAAAAAADgPwAAAAAAAOA/AAAAAAAA4D8CAAAAjAAAAAAAAAAAAAAAu+DjDP///wgAAAAAAAAAAAAAAAAAAAAAAAAAAAAAAAAAAAAAZAAAAAEAAABAAAAAAAAAAAAAAAAAAAAAAAAAAAAAAAAAAAAAAAAAAAAAAAAAAAAAAAAAAAAAAAAAAAAAAAAAAAAAAAAAAAAAAAAAAAAAAAAAAAAAAAAAAAAAAAAAAAAAFAAAADwAAAAAAAAAAAAAAAAAAAkUAAAAAQAAABQAAAAUAAAAFAAAAAEAAAAAAAAAZAAAAGQAAAAAAAAAZAAAAGQAAAAVAAAAYAAAAAAAAAAAAAAADwAAACADAAAAAAAAAAAAAAEAAACgMgAAVgcAAKr4//8BAAAAf39/AAEAAABkAAAAAAAAABQAAABAHwAAAAAAACYAAAAAAAAAwOD//wAAAAAmAAAAZAAAABYAAABMAAAAAAAAAAAAAAAEAAAAAAAAAAEAAACAgIAKAAAAACgAAAAoAAAAZAAAAGQAAAAAAAAAzMzMAAAAAABQAAAAUAAAAGQAAABkAAAAAAAAABcAAAAUAAAAAAAAAAAAAAD/fwAA/38AAAAAAAAJAAAABAAAAG49IjEeAAAAaAAAAAAAAAAAAAAAAAAAAAAAAAAAAAAAECcAABAnAAAAAAAAAAAAAAAAAAAAAAAAAAAAAAAAAAAAAAAAAAAAABQAAAAAAAAAwMD/AAAAAABkAAAAMgAAAAAAAABkAAAAAAAAAH9/fwAKAAAAIgAAABgAAAAAAAAAAAAAAAAAAAAAAAAAAAAAAAAAAAAkAAAAJAAAAAAAAAAHAAAAAAAAAAAAAAAAAAAAAAAAAAAAAAAAAAAAf39/ACUAAABYAAAAAAAAAAAAAAAAAAAAAAAAAAAAAAAAAAAAAAAAAAAAAAAAAAAAAAAAAAAAAAA/AAAAAAAAAKCGAQAAAAAAAAAAAAAAAAAMAAAAAQAAAAAAAAAAAAAAAAAAAB8AAABUAAAAAAAABQAAAAEAAAAAAAAAAAAAAAAAAAAAAAAAAAAAAAAAAAAAAAAAAAAAAAJ/f38AAAAAA8zMzADAwP8Af39/AAAAAAAAAAAAAAAAAAAAAAAAAAAAIQAAABgAAAAUAAAAwAMAALABAABARwAAuAgAABAAAAAmAAAACAAAAAAAAAAAAAAAMAAAABQAAAAAAAAAAAD//wAAAQAAAP//AAABAA=="/>
               </a:ext>
             </a:extLst>
           </p:cNvSpPr>
@@ -468,7 +468,7 @@
             <a:spLocks noGrp="1" noChangeArrowheads="1"/>
             <a:extLst>
               <a:ext uri="smNativeData">
-                <pr:smNativeData xmlns:pr="smNativeData" xmlns="smNativeData" val="SMDATA_16_zLafZxMAAAAlAAAAZAAAAA8BAAAAkAAAAEgAAACQAAAASAAAAAAAAAAAAAAAAQAAAAEAAABQAAAAAAAAAAAA4D8AAAAAAADgPwAAAAAAAOA/AAAAAAAA4D8AAAAAAADgPwAAAAAAAOA/AAAAAAAA4D8AAAAAAADgPwAAAAAAAOA/AAAAAAAA4D8CAAAAjAAAAAAAAAAAAAAAu+DjDP///wgAAAAAAAAAAAAAAAAAAAAAAAAAAAAAAAAAAAAAZAAAAAEAAABAAAAAAAAAAAAAAAAAAAAAAAAAAAAAAAAAAAAAAAAAAAAAAAAAAAAAAAAAAAAAAAAAAAAAAAAAAAAAAAAAAAAAAAAAAAAAAAAAAAAAAAAAAAAAAAAAAAAAFAAAADwAAAAAAAAAAAAAAAAAAAkUAAAAAQAAABQAAAAUAAAAFAAAAAEAAAAAAAAAZAAAAGQAAAAAAAAAZAAAAGQAAAAVAAAAYAAAAAAAAAAAAAAADwAAACADAAAAAAAAAAAAAAEAAACgMgAAVgcAAKr4//8BAAAAf39/AAEAAABkAAAAAAAAABQAAABAHwAAAAAAACYAAAAAAAAAwOD//wAAAAAmAAAAZAAAABYAAABMAAAAAAAAAAAAAAAEAAAAAAAAAAEAAACAgIAKAAAAACgAAAAoAAAAZAAAAGQAAAAAAAAAzMzMAAAAAABQAAAAUAAAAGQAAABkAAAAAAAAABcAAAAUAAAAAAAAAAAAAAD/fwAA/38AAAAAAAAJAAAABAAAAAAAAAAeAAAAaAAAAAAAAAAAAAAAAAAAAAAAAAAAAAAAECcAABAnAAAAAAAAAAAAAAAAAAAAAAAAAAAAAAAAAAAAAAAAAAAAABQAAAAAAAAAwMD/AAAAAABkAAAAMgAAAAAAAABkAAAAAAAAAH9/fwAKAAAAIgAAABgAAAAAAAAAAAAAAAAAAAAAAAAAAAAAAAAAAAAkAAAAJAAAAAAAAAAHAAAAAAAAAAAAAAAAAAAAAAAAAAAAAAAAAAAAf39/ACUAAABYAAAAAAAAAAAAAAAAAAAAAAAAAAAAAAAAAAAAAAAAAAAAAAAAAAAAAAAAAAAAAAA/AAAAAAAAAKCGAQAAAAAAAAAAAAAAAAAMAAAAAQAAAAAAAAAAAAAAAAAAAB8AAABUAAAAAAAABQAAAAEAAAAAAAAAAAAAAAAAAAAAAAAAAAAAAAAAAAAAAAAAAAAAAAJ/f38AAAAAA8zMzADAwP8Af39/AAAAAAAAAAAAAAAAAAAAAAAAAAAAIQAAABgAAAAUAAAAwAMAANgJAABARwAAsCUAABAAAAAmAAAACAAAAAIAAAAAAAAAMAAAABQAAAAAAAAAAAD//wAAAQAAAP//AAABAA=="/>
+                <pr:smNativeData xmlns:pr="smNativeData" xmlns="smNativeData" val="SMDATA_16_yvWgZxMAAAAlAAAAZAAAAA8BAAAAkAAAAEgAAACQAAAASAAAAAAAAAAAAAAAAQAAAAEAAABQAAAAAAAAAAAA4D8AAAAAAADgPwAAAAAAAOA/AAAAAAAA4D8AAAAAAADgPwAAAAAAAOA/AAAAAAAA4D8AAAAAAADgPwAAAAAAAOA/AAAAAAAA4D8CAAAAjAAAAAAAAAAAAAAAu+DjDP///wgAAAAAAAAAAAAAAAAAAAAAAAAAAAAAAAAAAAAAZAAAAAEAAABAAAAAAAAAAAAAAAAAAAAAAAAAAAAAAAAAAAAAAAAAAAAAAAAAAAAAAAAAAAAAAAAAAAAAAAAAAAAAAAAAAAAAAAAAAAAAAAAAAAAAAAAAAAAAAAAAAAAAFAAAADwAAAAAAAAAAAAAAAAAAAkUAAAAAQAAABQAAAAUAAAAFAAAAAEAAAAAAAAAZAAAAGQAAAAAAAAAZAAAAGQAAAAVAAAAYAAAAAAAAAAAAAAADwAAACADAAAAAAAAAAAAAAEAAACgMgAAVgcAAKr4//8BAAAAf39/AAEAAABkAAAAAAAAABQAAABAHwAAAAAAACYAAAAAAAAAwOD//wAAAAAmAAAAZAAAABYAAABMAAAAAAAAAAAAAAAEAAAAAAAAAAEAAACAgIAKAAAAACgAAAAoAAAAZAAAAGQAAAAAAAAAzMzMAAAAAABQAAAAUAAAAGQAAABkAAAAAAAAABcAAAAUAAAAAAAAAAAAAAD/fwAA/38AAAAAAAAJAAAABAAAAAAAAAAeAAAAaAAAAAAAAAAAAAAAAAAAAAAAAAAAAAAAECcAABAnAAAAAAAAAAAAAAAAAAAAAAAAAAAAAAAAAAAAAAAAAAAAABQAAAAAAAAAwMD/AAAAAABkAAAAMgAAAAAAAABkAAAAAAAAAH9/fwAKAAAAIgAAABgAAAAAAAAAAAAAAAAAAAAAAAAAAAAAAAAAAAAkAAAAJAAAAAAAAAAHAAAAAAAAAAAAAAAAAAAAAAAAAAAAAAAAAAAAf39/ACUAAABYAAAAAAAAAAAAAAAAAAAAAAAAAAAAAAAAAAAAAAAAAAAAAAAAAAAAAAAAAAAAAAA/AAAAAAAAAKCGAQAAAAAAAAAAAAAAAAAMAAAAAQAAAAAAAAAAAAAAAAAAAB8AAABUAAAAAAAABQAAAAEAAAAAAAAAAAAAAAAAAAAAAAAAAAAAAAAAAAAAAAAAAAAAAAJ/f38AAAAAA8zMzADAwP8Af39/AAAAAAAAAAAAAAAAAAAAAAAAAAAAIQAAABgAAAAUAAAAwAMAANgJAABARwAAsCUAABAAAAAmAAAACAAAAAIAAAAAAAAAMAAAABQAAAAAAAAAAAD//wAAAQAAAP//AAABAA=="/>
               </a:ext>
             </a:extLst>
           </p:cNvSpPr>
@@ -523,7 +523,7 @@
             <a:spLocks noGrp="1" noChangeArrowheads="1"/>
             <a:extLst>
               <a:ext uri="smNativeData">
-                <pr:smNativeData xmlns:pr="smNativeData" xmlns="smNativeData" val="SMDATA_16_zLafZxMAAAAlAAAAZAAAAA8BAAAAkAAAAEgAAACQAAAASAAAAAAAAAABAAAAAAAAAAEAAABQAAAAAAAAAAAA4D8AAAAAAADgPwAAAAAAAOA/AAAAAAAA4D8AAAAAAADgPwAAAAAAAOA/AAAAAAAA4D8AAAAAAADgPwAAAAAAAOA/AAAAAAAA4D8CAAAAjAAAAAAAAAAAAAAAu+DjDP///wgAAAAAAAAAAAAAAAAAAAAAAAAAAAAAAAAAAAAAZAAAAAEAAABAAAAAAAAAAAAAAAAAAAAAAAAAAAAAAAAAAAAAAAAAAAAAAAAAAAAAAAAAAAAAAAAAAAAAAAAAAAAAAAAAAAAAAAAAAAAAAAAAAAAAAAAAAAAAAAAAAAAAFAAAADwAAAAAAAAAAAAAAAAAAAkUAAAAAQAAABQAAAAUAAAAFAAAAAEAAAAAAAAAZAAAAGQAAAAAAAAAZAAAAGQAAAAVAAAAYAAAAAAAAAAAAAAADwAAACADAAAAAAAAAAAAAAEAAACgMgAAVgcAAKr4//8BAAAAf39/AAEAAABkAAAAAAAAABQAAABAHwAAAAAAACYAAAAAAAAAwOD//wAAAAAmAAAAZAAAABYAAABMAAAAAAAAAAAAAAAEAAAAAAAAAAEAAACAgIAKAAAAACgAAAAoAAAAZAAAAGQAAAAAAAAAzMzMAAAAAABQAAAAUAAAAGQAAABkAAAAAAAAABcAAAAUAAAAAAAAAAAAAAD/fwAA/38AAAAAAAAJAAAABAAAAAAAAAAeAAAAaAAAAAAAAAAAAAAAAAAAAAAAAAAAAAAAECcAABAnAAAAAAAAAAAAAAAAAAAAAAAAAAAAAAAAAAAAAAAAAAAAABQAAAAAAAAAwMD/AAAAAABkAAAAMgAAAAAAAABkAAAAAAAAAH9/fwAKAAAAIgAAABgAAAAAAAAAAAAAAAAAAAAAAAAAAAAAAAAAAAAkAAAAJAAAAAAAAAAHAAAAAAAAAAAAAAAAAAAAAAAAAAAAAAAAAAAAf39/ACUAAABYAAAAAAAAAAAAAAAAAAAAAAAAAAAAAAAAAAAAAAAAAAAAAAAAAAAAAAAAAAAAAAA/AAAAAAAAAKCGAQAAAAAAAAAAAAAAAAAMAAAAAQAAAAAAAAAAAAAAAAAAAB8AAABUAAAAAAAABQAAAAEAAAAAAAAAAAAAAAAAAAAAAAAAAAAAAAAAAAAAAAAAAAAAAAJ/f38AAAAAA8zMzADAwP8Af39/AAAAAAAAAAAAAAAAAAAAAAAAAAAAIQAAABgAAAAUAAAAwAMAABsnAAA/FQAAWSkAABAAAAAmAAAACAAAAAAAAAAAAAAAMAAAABQAAAAAAAAAAAD//wAAAQAAAP//AAABAA=="/>
+                <pr:smNativeData xmlns:pr="smNativeData" xmlns="smNativeData" val="SMDATA_16_yvWgZxMAAAAlAAAAZAAAAA8BAAAAkAAAAEgAAACQAAAASAAAAAAAAAABAAAAAAAAAAEAAABQAAAAAAAAAAAA4D8AAAAAAADgPwAAAAAAAOA/AAAAAAAA4D8AAAAAAADgPwAAAAAAAOA/AAAAAAAA4D8AAAAAAADgPwAAAAAAAOA/AAAAAAAA4D8CAAAAjAAAAAAAAAAAAAAAu+DjDP///wgAAAAAAAAAAAAAAAAAAAAAAAAAAAAAAAAAAAAAZAAAAAEAAABAAAAAAAAAAAAAAAAAAAAAAAAAAAAAAAAAAAAAAAAAAAAAAAAAAAAAAAAAAAAAAAAAAAAAAAAAAAAAAAAAAAAAAAAAAAAAAAAAAAAAAAAAAAAAAAAAAAAAFAAAADwAAAAAAAAAAAAAAAAAAAkUAAAAAQAAABQAAAAUAAAAFAAAAAEAAAAAAAAAZAAAAGQAAAAAAAAAZAAAAGQAAAAVAAAAYAAAAAAAAAAAAAAADwAAACADAAAAAAAAAAAAAAEAAACgMgAAVgcAAKr4//8BAAAAf39/AAEAAABkAAAAAAAAABQAAABAHwAAAAAAACYAAAAAAAAAwOD//wAAAAAmAAAAZAAAABYAAABMAAAAAAAAAAAAAAAEAAAAAAAAAAEAAACAgIAKAAAAACgAAAAoAAAAZAAAAGQAAAAAAAAAzMzMAAAAAABQAAAAUAAAAGQAAABkAAAAAAAAABcAAAAUAAAAAAAAAAAAAAD/fwAA/38AAAAAAAAJAAAABAAAAAAAAAAeAAAAaAAAAAAAAAAAAAAAAAAAAAAAAAAAAAAAECcAABAnAAAAAAAAAAAAAAAAAAAAAAAAAAAAAAAAAAAAAAAAAAAAABQAAAAAAAAAwMD/AAAAAABkAAAAMgAAAAAAAABkAAAAAAAAAH9/fwAKAAAAIgAAABgAAAAAAAAAAAAAAAAAAAAAAAAAAAAAAAAAAAAkAAAAJAAAAAAAAAAHAAAAAAAAAAAAAAAAAAAAAAAAAAAAAAAAAAAAf39/ACUAAABYAAAAAAAAAAAAAAAAAAAAAAAAAAAAAAAAAAAAAAAAAAAAAAAAAAAAAAAAAAAAAAA/AAAAAAAAAKCGAQAAAAAAAAAAAAAAAAAMAAAAAQAAAAAAAAAAAAAAAAAAAB8AAABUAAAAAAAABQAAAAEAAAAAAAAAAAAAAAAAAAAAAAAAAAAAAAAAAAAAAAAAAAAAAAJ/f38AAAAAA8zMzADAwP8Af39/AAAAAAAAAAAAAAAAAAAAAAAAAAAAIQAAABgAAAAUAAAAwAMAABsnAAA/FQAAWSkAABAAAAAmAAAACAAAAAAAAAAAAAAAMAAAABQAAAAAAAAAAAD//wAAAQAAAP//AAABAA=="/>
               </a:ext>
             </a:extLst>
           </p:cNvSpPr>
@@ -537,7 +537,7 @@
           <a:lstStyle/>
           <a:p>
             <a:pPr/>
-            <a:fld id="{3FC4CDB7-F9D2-913B-9C7C-0F6E83326A5A}" type="datetime1">
+            <a:fld id="{3D141153-1DD0-41E7-9EAC-EBB25FE268BE}" type="datetime1">
               <a:t/>
             </a:fld>
           </a:p>
@@ -550,7 +550,7 @@
             <a:spLocks noGrp="1" noChangeArrowheads="1"/>
             <a:extLst>
               <a:ext uri="smNativeData">
-                <pr:smNativeData xmlns:pr="smNativeData" xmlns="smNativeData" val="SMDATA_16_zLafZxMAAAAlAAAAZAAAAA8BAAAAkAAAAEgAAACQAAAASAAAAAAAAAABAAAAAAAAAAEAAABQAAAAAAAAAAAA4D8AAAAAAADgPwAAAAAAAOA/AAAAAAAA4D8AAAAAAADgPwAAAAAAAOA/AAAAAAAA4D8AAAAAAADgPwAAAAAAAOA/AAAAAAAA4D8CAAAAjAAAAAAAAAAAAAAAu+DjDP///wgAAAAAAAAAAAAAAAAAAAAAAAAAAAAAAAAAAAAAZAAAAAEAAABAAAAAAAAAAAAAAAAAAAAAAAAAAAAAAAAAAAAAAAAAAAAAAAAAAAAAAAAAAAAAAAAAAAAAAAAAAAAAAAAAAAAAAAAAAAAAAAAAAAAAAAAAAAAAAAAAAAAAFAAAADwAAAAAAAAAAAAAAAAAAAkUAAAAAQAAABQAAAAUAAAAFAAAAAEAAAAAAAAAZAAAAGQAAAAAAAAAZAAAAGQAAAAVAAAAYAAAAAAAAAAAAAAADwAAACADAAAAAAAAAAAAAAEAAACgMgAAVgcAAKr4//8BAAAAf39/AAEAAABkAAAAAAAAABQAAABAHwAAAAAAACYAAAAAAAAAwOD//wAAAAAmAAAAZAAAABYAAABMAAAAAAAAAAAAAAAEAAAAAAAAAAEAAACAgIAKAAAAACgAAAAoAAAAZAAAAGQAAAAAAAAAzMzMAAAAAABQAAAAUAAAAGQAAABkAAAAAAAAABcAAAAUAAAAAAAAAAAAAAD/fwAA/38AAAAAAAAJAAAABAAAAGE6c3AeAAAAaAAAAAAAAAAAAAAAAAAAAAAAAAAAAAAAECcAABAnAAAAAAAAAAAAAAAAAAAAAAAAAAAAAAAAAAAAAAAAAAAAABQAAAAAAAAAwMD/AAAAAABkAAAAMgAAAAAAAABkAAAAAAAAAH9/fwAKAAAAIgAAABgAAAAAAAAAAAAAAAAAAAAAAAAAAAAAAAAAAAAkAAAAJAAAAAAAAAAHAAAAAAAAAAAAAAAAAAAAAAAAAAAAAAAAAAAAf39/ACUAAABYAAAAAAAAAAAAAAAAAAAAAAAAAAAAAAAAAAAAAAAAAAAAAAAAAAAAAAAAAAAAAAA/AAAAAAAAAKCGAQAAAAAAAAAAAAAAAAAMAAAAAQAAAAAAAAAAAAAAAAAAAB8AAABUAAAAAAAABQAAAAEAAAAAAAAAAAAAAAAAAAAAAAAAAAAAAAAAAAAAAAAAAAAAAAJ/f38AAAAAA8zMzADAwP8Af39/AAAAAAAAAAAAAAAAAAAAAAAAAAAAIQAAABgAAAAUAAAAoRkAABsnAABfMQAAWSkAABAAAAAmAAAACAAAAAAAAAAAAAAAMAAAABQAAAAAAAAAAAD//wAAAQAAAP//AAABAA=="/>
+                <pr:smNativeData xmlns:pr="smNativeData" xmlns="smNativeData" val="SMDATA_16_yvWgZxMAAAAlAAAAZAAAAA8BAAAAkAAAAEgAAACQAAAASAAAAAAAAAABAAAAAAAAAAEAAABQAAAAAAAAAAAA4D8AAAAAAADgPwAAAAAAAOA/AAAAAAAA4D8AAAAAAADgPwAAAAAAAOA/AAAAAAAA4D8AAAAAAADgPwAAAAAAAOA/AAAAAAAA4D8CAAAAjAAAAAAAAAAAAAAAu+DjDP///wgAAAAAAAAAAAAAAAAAAAAAAAAAAAAAAAAAAAAAZAAAAAEAAABAAAAAAAAAAAAAAAAAAAAAAAAAAAAAAAAAAAAAAAAAAAAAAAAAAAAAAAAAAAAAAAAAAAAAAAAAAAAAAAAAAAAAAAAAAAAAAAAAAAAAAAAAAAAAAAAAAAAAFAAAADwAAAAAAAAAAAAAAAAAAAkUAAAAAQAAABQAAAAUAAAAFAAAAAEAAAAAAAAAZAAAAGQAAAAAAAAAZAAAAGQAAAAVAAAAYAAAAAAAAAAAAAAADwAAACADAAAAAAAAAAAAAAEAAACgMgAAVgcAAKr4//8BAAAAf39/AAEAAABkAAAAAAAAABQAAABAHwAAAAAAACYAAAAAAAAAwOD//wAAAAAmAAAAZAAAABYAAABMAAAAAAAAAAAAAAAEAAAAAAAAAAEAAACAgIAKAAAAACgAAAAoAAAAZAAAAGQAAAAAAAAAzMzMAAAAAABQAAAAUAAAAGQAAABkAAAAAAAAABcAAAAUAAAAAAAAAAAAAAD/fwAA/38AAAAAAAAJAAAABAAAAGE6c3AeAAAAaAAAAAAAAAAAAAAAAAAAAAAAAAAAAAAAECcAABAnAAAAAAAAAAAAAAAAAAAAAAAAAAAAAAAAAAAAAAAAAAAAABQAAAAAAAAAwMD/AAAAAABkAAAAMgAAAAAAAABkAAAAAAAAAH9/fwAKAAAAIgAAABgAAAAAAAAAAAAAAAAAAAAAAAAAAAAAAAAAAAAkAAAAJAAAAAAAAAAHAAAAAAAAAAAAAAAAAAAAAAAAAAAAAAAAAAAAf39/ACUAAABYAAAAAAAAAAAAAAAAAAAAAAAAAAAAAAAAAAAAAAAAAAAAAAAAAAAAAAAAAAAAAAA/AAAAAAAAAKCGAQAAAAAAAAAAAAAAAAAMAAAAAQAAAAAAAAAAAAAAAAAAAB8AAABUAAAAAAAABQAAAAEAAAAAAAAAAAAAAAAAAAAAAAAAAAAAAAAAAAAAAAAAAAAAAAJ/f38AAAAAA8zMzADAwP8Af39/AAAAAAAAAAAAAAAAAAAAAAAAAAAAIQAAABgAAAAUAAAAoRkAABsnAABfMQAAWSkAABAAAAAmAAAACAAAAAAAAAAAAAAAMAAAABQAAAAAAAAAAAD//wAAAQAAAP//AAABAA=="/>
               </a:ext>
             </a:extLst>
           </p:cNvSpPr>
@@ -574,7 +574,7 @@
             <a:spLocks noGrp="1" noChangeArrowheads="1"/>
             <a:extLst>
               <a:ext uri="smNativeData">
-                <pr:smNativeData xmlns:pr="smNativeData" xmlns="smNativeData" val="SMDATA_16_zLafZxMAAAAlAAAAZAAAAA8BAAAAkAAAAEgAAACQAAAASAAAAAAAAAABAAAAAAAAAAEAAABQAAAAAAAAAAAA4D8AAAAAAADgPwAAAAAAAOA/AAAAAAAA4D8AAAAAAADgPwAAAAAAAOA/AAAAAAAA4D8AAAAAAADgPwAAAAAAAOA/AAAAAAAA4D8CAAAAjAAAAAAAAAAAAAAAu+DjDP///wgAAAAAAAAAAAAAAAAAAAAAAAAAAAAAAAAAAAAAZAAAAAEAAABAAAAAAAAAAAAAAAAAAAAAAAAAAAAAAAAAAAAAAAAAAAAAAAAAAAAAAAAAAAAAAAAAAAAAAAAAAAAAAAAAAAAAAAAAAAAAAAAAAAAAAAAAAAAAAAAAAAAAFAAAADwAAAAAAAAAAAAAAAAAAAkUAAAAAQAAABQAAAAUAAAAFAAAAAEAAAAAAAAAZAAAAGQAAAAAAAAAZAAAAGQAAAAVAAAAYAAAAAAAAAAAAAAADwAAACADAAAAAAAAAAAAAAEAAACgMgAAVgcAAKr4//8BAAAAf39/AAEAAABkAAAAAAAAABQAAABAHwAAAAAAACYAAAAAAAAAwOD//wAAAAAmAAAAZAAAABYAAABMAAAAAAAAAAAAAAAEAAAAAAAAAAEAAACAgIAKAAAAACgAAAAoAAAAZAAAAGQAAAAAAAAAzMzMAAAAAABQAAAAUAAAAGQAAABkAAAAAAAAABcAAAAUAAAAAAAAAAAAAAD/fwAA/38AAAAAAAAJAAAABAAAAAAAAAAeAAAAaAAAAAAAAAAAAAAAAAAAAAAAAAAAAAAAECcAABAnAAAAAAAAAAAAAAAAAAAAAAAAAAAAAAAAAAAAAAAAAAAAABQAAAAAAAAAwMD/AAAAAABkAAAAMgAAAAAAAABkAAAAAAAAAH9/fwAKAAAAIgAAABgAAAAAAAAAAAAAAAAAAAAAAAAAAAAAAAAAAAAkAAAAJAAAAAAAAAAHAAAAAAAAAAAAAAAAAAAAAAAAAAAAAAAAAAAAf39/ACUAAABYAAAAAAAAAAAAAAAAAAAAAAAAAAAAAAAAAAAAAAAAAAAAAAAAAAAAAAAAAAAAAAA/AAAAAAAAAKCGAQAAAAAAAAAAAAAAAAAMAAAAAQAAAAAAAAAAAAAAAAAAAB8AAABUAAAAAAAABQAAAAEAAAAAAAAAAAAAAAAAAAAAAAAAAAAAAAAAAAAAAAAAAAAAAAJ/f38AAAAAA8zMzADAwP8Af39/AAAAAAAAAAAAAAAAAAAAAAAAAAAAIQAAABgAAAAUAAAAwTUAABsnAABARwAAWSkAABAAAAAmAAAACAAAAAAAAAAAAAAAMAAAABQAAAAAAAAAAAD//wAAAQAAAP//AAABAA=="/>
+                <pr:smNativeData xmlns:pr="smNativeData" xmlns="smNativeData" val="SMDATA_16_yvWgZxMAAAAlAAAAZAAAAA8BAAAAkAAAAEgAAACQAAAASAAAAAAAAAABAAAAAAAAAAEAAABQAAAAAAAAAAAA4D8AAAAAAADgPwAAAAAAAOA/AAAAAAAA4D8AAAAAAADgPwAAAAAAAOA/AAAAAAAA4D8AAAAAAADgPwAAAAAAAOA/AAAAAAAA4D8CAAAAjAAAAAAAAAAAAAAAu+DjDP///wgAAAAAAAAAAAAAAAAAAAAAAAAAAAAAAAAAAAAAZAAAAAEAAABAAAAAAAAAAAAAAAAAAAAAAAAAAAAAAAAAAAAAAAAAAAAAAAAAAAAAAAAAAAAAAAAAAAAAAAAAAAAAAAAAAAAAAAAAAAAAAAAAAAAAAAAAAAAAAAAAAAAAFAAAADwAAAAAAAAAAAAAAAAAAAkUAAAAAQAAABQAAAAUAAAAFAAAAAEAAAAAAAAAZAAAAGQAAAAAAAAAZAAAAGQAAAAVAAAAYAAAAAAAAAAAAAAADwAAACADAAAAAAAAAAAAAAEAAACgMgAAVgcAAKr4//8BAAAAf39/AAEAAABkAAAAAAAAABQAAABAHwAAAAAAACYAAAAAAAAAwOD//wAAAAAmAAAAZAAAABYAAABMAAAAAAAAAAAAAAAEAAAAAAAAAAEAAACAgIAKAAAAACgAAAAoAAAAZAAAAGQAAAAAAAAAzMzMAAAAAABQAAAAUAAAAGQAAABkAAAAAAAAABcAAAAUAAAAAAAAAAAAAAD/fwAA/38AAAAAAAAJAAAABAAAAAAAAAAeAAAAaAAAAAAAAAAAAAAAAAAAAAAAAAAAAAAAECcAABAnAAAAAAAAAAAAAAAAAAAAAAAAAAAAAAAAAAAAAAAAAAAAABQAAAAAAAAAwMD/AAAAAABkAAAAMgAAAAAAAABkAAAAAAAAAH9/fwAKAAAAIgAAABgAAAAAAAAAAAAAAAAAAAAAAAAAAAAAAAAAAAAkAAAAJAAAAAAAAAAHAAAAAAAAAAAAAAAAAAAAAAAAAAAAAAAAAAAAf39/ACUAAABYAAAAAAAAAAAAAAAAAAAAAAAAAAAAAAAAAAAAAAAAAAAAAAAAAAAAAAAAAAAAAAA/AAAAAAAAAKCGAQAAAAAAAAAAAAAAAAAMAAAAAQAAAAAAAAAAAAAAAAAAAB8AAABUAAAAAAAABQAAAAEAAAAAAAAAAAAAAAAAAAAAAAAAAAAAAAAAAAAAAAAAAAAAAAJ/f38AAAAAA8zMzADAwP8Af39/AAAAAAAAAAAAAAAAAAAAAAAAAAAAIQAAABgAAAAUAAAAwTUAABsnAABARwAAWSkAABAAAAAmAAAACAAAAAAAAAAAAAAAMAAAABQAAAAAAAAAAAD//wAAAQAAAP//AAABAA=="/>
               </a:ext>
             </a:extLst>
           </p:cNvSpPr>
@@ -588,7 +588,7 @@
           <a:lstStyle/>
           <a:p>
             <a:pPr/>
-            <a:fld id="{3FC4E80F-41D2-911E-9C7C-B74BA6326AE2}" type="slidenum">
+            <a:fld id="{3D144F73-3DD0-41B9-9EAC-CBEC01E2689E}" type="slidenum">
               <a:t/>
             </a:fld>
           </a:p>
@@ -627,7 +627,7 @@
             <a:spLocks noGrp="1" noChangeArrowheads="1"/>
             <a:extLst>
               <a:ext uri="smNativeData">
-                <pr:smNativeData xmlns:pr="smNativeData" xmlns="smNativeData" val="SMDATA_16_zLafZxMAAAAlAAAAZAAAAA8BAAAAkAAAAEgAAACQAAAASAAAAAAAAAACAAAAAQAAAAEAAABQAAAAAAAAAAAA4D8AAAAAAADgPwAAAAAAAOA/AAAAAAAA4D8AAAAAAADgPwAAAAAAAOA/AAAAAAAA4D8AAAAAAADgPwAAAAAAAOA/AAAAAAAA4D8CAAAAjAAAAAAAAAAAAAAAu+DjDP///wgAAAAAAAAAAAAAAAAAAAAAAAAAAAAAAAAAAAAAZAAAAAEAAABAAAAAAAAAAAAAAAAAAAAAAAAAAAAAAAAAAAAAAAAAAAAAAAAAAAAAAAAAAAAAAAAAAAAAAAAAAAAAAAAAAAAAAAAAAAAAAAAAAAAAAAAAAAAAAAAAAAAAFAAAADwAAAAAAAAAAAAAAAAAAAkUAAAAAQAAABQAAAAUAAAAFAAAAAEAAAAAAAAAZAAAAGQAAAAAAAAAZAAAAGQAAAAVAAAAYAAAAAAAAAAAAAAADwAAACADAAAAAAAAAAAAAAEAAACgMgAAVgcAAKr4//8BAAAAf39/AAEAAABkAAAAAAAAABQAAABAHwAAAAAAACYAAAAAAAAAwOD//wAAAAAmAAAAZAAAABYAAABMAAAAAAAAAAAAAAAEAAAAAAAAAAEAAACAgIAKAAAAACgAAAAoAAAAZAAAAGQAAAAAAAAAzMzMAAAAAABQAAAAUAAAAGQAAABkAAAAAAAAABcAAAAUAAAAAAAAAAAAAAD/fwAA/38AAAAAAAAJAAAABAAAAAAAAAAeAAAAaAAAAAAAAAAAAAAAAAAAAAAAAAAAAAAAECcAABAnAAAAAAAAAAAAAAAAAAAAAAAAAAAAAAAAAAAAAAAAAAAAABQAAAAAAAAAwMD/AAAAAABkAAAAMgAAAAAAAABkAAAAAAAAAH9/fwAKAAAAIgAAABgAAAAAAAAAAAAAAAAAAAAAAAAAAAAAAAAAAAAkAAAAJAAAAAAAAAAHAAAAAAAAAAAAAAAAAAAAAAAAAAAAAAAAAAAAf39/ACUAAABYAAAAAAAAAAAAAAAAAAAAAAAAAAAAAAAAAAAAAAAAAAAAAAAAAAAAAAAAAAAAAAA/AAAAAAAAAKCGAQAAAAAAAAAAAAAAAAAMAAAAAQAAAAAAAAAAAAAAAAAAAB8AAABUAAAAAAAABQAAAAEAAAAAAAAAAAAAAAAAAAAAAAAAAAAAAAAAAAAAAAAAAAAAAAJ/f38AAAAAA8zMzADAwP8Af39/AAAAAAAAAAAAAAAAAAAAAAAAAAAAIQAAABgAAAAUAAAAYDYAALABAABARwAAsCUAABAAAAAmAAAACAAAAIMAAAAAAAAAMAAAABQAAAAAAAAAAAD//wAAAQAAAP//AAABAA=="/>
+                <pr:smNativeData xmlns:pr="smNativeData" xmlns="smNativeData" val="SMDATA_16_yvWgZxMAAAAlAAAAZAAAAA8BAAAAkAAAAEgAAACQAAAASAAAAAAAAAACAAAAAQAAAAEAAABQAAAAAAAAAAAA4D8AAAAAAADgPwAAAAAAAOA/AAAAAAAA4D8AAAAAAADgPwAAAAAAAOA/AAAAAAAA4D8AAAAAAADgPwAAAAAAAOA/AAAAAAAA4D8CAAAAjAAAAAAAAAAAAAAAu+DjDP///wgAAAAAAAAAAAAAAAAAAAAAAAAAAAAAAAAAAAAAZAAAAAEAAABAAAAAAAAAAAAAAAAAAAAAAAAAAAAAAAAAAAAAAAAAAAAAAAAAAAAAAAAAAAAAAAAAAAAAAAAAAAAAAAAAAAAAAAAAAAAAAAAAAAAAAAAAAAAAAAAAAAAAFAAAADwAAAAAAAAAAAAAAAAAAAkUAAAAAQAAABQAAAAUAAAAFAAAAAEAAAAAAAAAZAAAAGQAAAAAAAAAZAAAAGQAAAAVAAAAYAAAAAAAAAAAAAAADwAAACADAAAAAAAAAAAAAAEAAACgMgAAVgcAAKr4//8BAAAAf39/AAEAAABkAAAAAAAAABQAAABAHwAAAAAAACYAAAAAAAAAwOD//wAAAAAmAAAAZAAAABYAAABMAAAAAAAAAAAAAAAEAAAAAAAAAAEAAACAgIAKAAAAACgAAAAoAAAAZAAAAGQAAAAAAAAAzMzMAAAAAABQAAAAUAAAAGQAAABkAAAAAAAAABcAAAAUAAAAAAAAAAAAAAD/fwAA/38AAAAAAAAJAAAABAAAAAAAAAAeAAAAaAAAAAAAAAAAAAAAAAAAAAAAAAAAAAAAECcAABAnAAAAAAAAAAAAAAAAAAAAAAAAAAAAAAAAAAAAAAAAAAAAABQAAAAAAAAAwMD/AAAAAABkAAAAMgAAAAAAAABkAAAAAAAAAH9/fwAKAAAAIgAAABgAAAAAAAAAAAAAAAAAAAAAAAAAAAAAAAAAAAAkAAAAJAAAAAAAAAAHAAAAAAAAAAAAAAAAAAAAAAAAAAAAAAAAAAAAf39/ACUAAABYAAAAAAAAAAAAAAAAAAAAAAAAAAAAAAAAAAAAAAAAAAAAAAAAAAAAAAAAAAAAAAA/AAAAAAAAAKCGAQAAAAAAAAAAAAAAAAAMAAAAAQAAAAAAAAAAAAAAAAAAAB8AAABUAAAAAAAABQAAAAEAAAAAAAAAAAAAAAAAAAAAAAAAAAAAAAAAAAAAAAAAAAAAAAJ/f38AAAAAA8zMzADAwP8Af39/AAAAAAAAAAAAAAAAAAAAAAAAAAAAIQAAABgAAAAUAAAAYDYAALABAABARwAAsCUAABAAAAAmAAAACAAAAIMAAAAAAAAAMAAAABQAAAAAAAAAAAD//wAAAQAAAP//AAABAA=="/>
               </a:ext>
             </a:extLst>
           </p:cNvSpPr>
@@ -663,7 +663,7 @@
             <a:spLocks noGrp="1" noChangeArrowheads="1"/>
             <a:extLst>
               <a:ext uri="smNativeData">
-                <pr:smNativeData xmlns:pr="smNativeData" xmlns="smNativeData" val="SMDATA_16_zLafZxMAAAAlAAAAZAAAAA8BAAAAkAAAAEgAAACQAAAASAAAAAAAAAAAAAAAAQAAAAEAAABQAAAAAAAAAAAA4D8AAAAAAADgPwAAAAAAAOA/AAAAAAAA4D8AAAAAAADgPwAAAAAAAOA/AAAAAAAA4D8AAAAAAADgPwAAAAAAAOA/AAAAAAAA4D8CAAAAjAAAAAAAAAAAAAAAu+DjDP///wgAAAAAAAAAAAAAAAAAAAAAAAAAAAAAAAAAAAAAZAAAAAEAAABAAAAAAAAAAAAAAAAAAAAAAAAAAAAAAAAAAAAAAAAAAAAAAAAAAAAAAAAAAAAAAAAAAAAAAAAAAAAAAAAAAAAAAAAAAAAAAAAAAAAAAAAAAAAAAAAAAAAAFAAAADwAAAAAAAAAAAAAAAAAAAkUAAAAAQAAABQAAAAUAAAAFAAAAAEAAAAAAAAAZAAAAGQAAAAAAAAAZAAAAGQAAAAVAAAAYAAAAAAAAAAAAAAADwAAACADAAAAAAAAAAAAAAEAAACgMgAAVgcAAKr4//8BAAAAf39/AAEAAABkAAAAAAAAABQAAABAHwAAAAAAACYAAAAAAAAAwOD//wAAAAAmAAAAZAAAABYAAABMAAAAAAAAAAAAAAAEAAAAAAAAAAEAAACAgIAKAAAAACgAAAAoAAAAZAAAAGQAAAAAAAAAzMzMAAAAAABQAAAAUAAAAGQAAABkAAAAAAAAABcAAAAUAAAAAAAAAAAAAAD/fwAA/38AAAAAAAAJAAAABAAAAAAAAAAeAAAAaAAAAAAAAAAAAAAAAAAAAAAAAAAAAAAAECcAABAnAAAAAAAAAAAAAAAAAAAAAAAAAAAAAAAAAAAAAAAAAAAAABQAAAAAAAAAwMD/AAAAAABkAAAAMgAAAAAAAABkAAAAAAAAAH9/fwAKAAAAIgAAABgAAAAAAAAAAAAAAAAAAAAAAAAAAAAAAAAAAAAkAAAAJAAAAAAAAAAHAAAAAAAAAAAAAAAAAAAAAAAAAAAAAAAAAAAAf39/ACUAAABYAAAAAAAAAAAAAAAAAAAAAAAAAAAAAAAAAAAAAAAAAAAAAAAAAAAAAAAAAAAAAAA/AAAAAAAAAKCGAQAAAAAAAAAAAAAAAAAMAAAAAQAAAAAAAAAAAAAAAAAAAB8AAABUAAAAAAAABQAAAAEAAAAAAAAAAAAAAAAAAAAAAAAAAAAAAAAAAAAAAAAAAAAAAAJ/f38AAAAAA8zMzADAwP8Af39/AAAAAAAAAAAAAAAAAAAAAAAAAAAAIQAAABgAAAAUAAAAwAMAALABAAAfNQAAsCUAABAAAAAmAAAACAAAAAMAAAAAAAAAMAAAABQAAAAAAAAAAAD//wAAAQAAAP//AAABAA=="/>
+                <pr:smNativeData xmlns:pr="smNativeData" xmlns="smNativeData" val="SMDATA_16_yvWgZxMAAAAlAAAAZAAAAA8BAAAAkAAAAEgAAACQAAAASAAAAAAAAAAAAAAAAQAAAAEAAABQAAAAAAAAAAAA4D8AAAAAAADgPwAAAAAAAOA/AAAAAAAA4D8AAAAAAADgPwAAAAAAAOA/AAAAAAAA4D8AAAAAAADgPwAAAAAAAOA/AAAAAAAA4D8CAAAAjAAAAAAAAAAAAAAAu+DjDP///wgAAAAAAAAAAAAAAAAAAAAAAAAAAAAAAAAAAAAAZAAAAAEAAABAAAAAAAAAAAAAAAAAAAAAAAAAAAAAAAAAAAAAAAAAAAAAAAAAAAAAAAAAAAAAAAAAAAAAAAAAAAAAAAAAAAAAAAAAAAAAAAAAAAAAAAAAAAAAAAAAAAAAFAAAADwAAAAAAAAAAAAAAAAAAAkUAAAAAQAAABQAAAAUAAAAFAAAAAEAAAAAAAAAZAAAAGQAAAAAAAAAZAAAAGQAAAAVAAAAYAAAAAAAAAAAAAAADwAAACADAAAAAAAAAAAAAAEAAACgMgAAVgcAAKr4//8BAAAAf39/AAEAAABkAAAAAAAAABQAAABAHwAAAAAAACYAAAAAAAAAwOD//wAAAAAmAAAAZAAAABYAAABMAAAAAAAAAAAAAAAEAAAAAAAAAAEAAACAgIAKAAAAACgAAAAoAAAAZAAAAGQAAAAAAAAAzMzMAAAAAABQAAAAUAAAAGQAAABkAAAAAAAAABcAAAAUAAAAAAAAAAAAAAD/fwAA/38AAAAAAAAJAAAABAAAAAAAAAAeAAAAaAAAAAAAAAAAAAAAAAAAAAAAAAAAAAAAECcAABAnAAAAAAAAAAAAAAAAAAAAAAAAAAAAAAAAAAAAAAAAAAAAABQAAAAAAAAAwMD/AAAAAABkAAAAMgAAAAAAAABkAAAAAAAAAH9/fwAKAAAAIgAAABgAAAAAAAAAAAAAAAAAAAAAAAAAAAAAAAAAAAAkAAAAJAAAAAAAAAAHAAAAAAAAAAAAAAAAAAAAAAAAAAAAAAAAAAAAf39/ACUAAABYAAAAAAAAAAAAAAAAAAAAAAAAAAAAAAAAAAAAAAAAAAAAAAAAAAAAAAAAAAAAAAA/AAAAAAAAAKCGAQAAAAAAAAAAAAAAAAAMAAAAAQAAAAAAAAAAAAAAAAAAAB8AAABUAAAAAAAABQAAAAEAAAAAAAAAAAAAAAAAAAAAAAAAAAAAAAAAAAAAAAAAAAAAAAJ/f38AAAAAA8zMzADAwP8Af39/AAAAAAAAAAAAAAAAAAAAAAAAAAAAIQAAABgAAAAUAAAAwAMAALABAAAfNQAAsCUAABAAAAAmAAAACAAAAAMAAAAAAAAAMAAAABQAAAAAAAAAAAD//wAAAQAAAP//AAABAA=="/>
               </a:ext>
             </a:extLst>
           </p:cNvSpPr>
@@ -723,7 +723,7 @@
             <a:spLocks noGrp="1" noChangeArrowheads="1"/>
             <a:extLst>
               <a:ext uri="smNativeData">
-                <pr:smNativeData xmlns:pr="smNativeData" xmlns="smNativeData" val="SMDATA_16_zLafZxMAAAAlAAAAZAAAAA8BAAAAkAAAAEgAAACQAAAASAAAAAAAAAABAAAAAAAAAAEAAABQAAAAAAAAAAAA4D8AAAAAAADgPwAAAAAAAOA/AAAAAAAA4D8AAAAAAADgPwAAAAAAAOA/AAAAAAAA4D8AAAAAAADgPwAAAAAAAOA/AAAAAAAA4D8CAAAAjAAAAAAAAAAAAAAAu+DjDP///wgAAAAAAAAAAAAAAAAAAAAAAAAAAAAAAAAAAAAAZAAAAAEAAABAAAAAAAAAAAAAAAAAAAAAAAAAAAAAAAAAAAAAAAAAAAAAAAAAAAAAAAAAAAAAAAAAAAAAAAAAAAAAAAAAAAAAAAAAAAAAAAAAAAAAAAAAAAAAAAAAAAAAFAAAADwAAAAAAAAAAAAAAAAAAAkUAAAAAQAAABQAAAAUAAAAFAAAAAEAAAAAAAAAZAAAAGQAAAAAAAAAZAAAAGQAAAAVAAAAYAAAAAAAAAAAAAAADwAAACADAAAAAAAAAAAAAAEAAACgMgAAVgcAAKr4//8BAAAAf39/AAEAAABkAAAAAAAAABQAAABAHwAAAAAAACYAAAAAAAAAwOD//wAAAAAmAAAAZAAAABYAAABMAAAAAAAAAAAAAAAEAAAAAAAAAAEAAACAgIAKAAAAACgAAAAoAAAAZAAAAGQAAAAAAAAAzMzMAAAAAABQAAAAUAAAAGQAAABkAAAAAAAAABcAAAAUAAAAAAAAAAAAAAD/fwAA/38AAAAAAAAJAAAABAAAAAAAAAAeAAAAaAAAAAAAAAAAAAAAAAAAAAAAAAAAAAAAECcAABAnAAAAAAAAAAAAAAAAAAAAAAAAAAAAAAAAAAAAAAAAAAAAABQAAAAAAAAAwMD/AAAAAABkAAAAMgAAAAAAAABkAAAAAAAAAH9/fwAKAAAAIgAAABgAAAAAAAAAAAAAAAAAAAAAAAAAAAAAAAAAAAAkAAAAJAAAAAAAAAAHAAAAAAAAAAAAAAAAAAAAAAAAAAAAAAAAAAAAf39/ACUAAABYAAAAAAAAAAAAAAAAAAAAAAAAAAAAAAAAAAAAAAAAAAAAAAAAAAAAAAAAAAAAAAA/AAAAAAAAAKCGAQAAAAAAAAAAAAAAAAAMAAAAAQAAAAAAAAAAAAAAAAAAAB8AAABUAAAAAAAABQAAAAEAAAAAAAAAAAAAAAAAAAAAAAAAAAAAAAAAAAAAAAAAAAAAAAJ/f38AAAAAA8zMzADAwP8Af39/AAAAAAAAAAAAAAAAAAAAAAAAAAAAIQAAABgAAAAUAAAAwAMAABsnAAA/FQAAWSkAABAAAAAmAAAACAAAAAAAAAAAAAAAMAAAABQAAAAAAAAAAAD//wAAAQAAAP//AAABAA=="/>
+                <pr:smNativeData xmlns:pr="smNativeData" xmlns="smNativeData" val="SMDATA_16_yvWgZxMAAAAlAAAAZAAAAA8BAAAAkAAAAEgAAACQAAAASAAAAAAAAAABAAAAAAAAAAEAAABQAAAAAAAAAAAA4D8AAAAAAADgPwAAAAAAAOA/AAAAAAAA4D8AAAAAAADgPwAAAAAAAOA/AAAAAAAA4D8AAAAAAADgPwAAAAAAAOA/AAAAAAAA4D8CAAAAjAAAAAAAAAAAAAAAu+DjDP///wgAAAAAAAAAAAAAAAAAAAAAAAAAAAAAAAAAAAAAZAAAAAEAAABAAAAAAAAAAAAAAAAAAAAAAAAAAAAAAAAAAAAAAAAAAAAAAAAAAAAAAAAAAAAAAAAAAAAAAAAAAAAAAAAAAAAAAAAAAAAAAAAAAAAAAAAAAAAAAAAAAAAAFAAAADwAAAAAAAAAAAAAAAAAAAkUAAAAAQAAABQAAAAUAAAAFAAAAAEAAAAAAAAAZAAAAGQAAAAAAAAAZAAAAGQAAAAVAAAAYAAAAAAAAAAAAAAADwAAACADAAAAAAAAAAAAAAEAAACgMgAAVgcAAKr4//8BAAAAf39/AAEAAABkAAAAAAAAABQAAABAHwAAAAAAACYAAAAAAAAAwOD//wAAAAAmAAAAZAAAABYAAABMAAAAAAAAAAAAAAAEAAAAAAAAAAEAAACAgIAKAAAAACgAAAAoAAAAZAAAAGQAAAAAAAAAzMzMAAAAAABQAAAAUAAAAGQAAABkAAAAAAAAABcAAAAUAAAAAAAAAAAAAAD/fwAA/38AAAAAAAAJAAAABAAAAAAAAAAeAAAAaAAAAAAAAAAAAAAAAAAAAAAAAAAAAAAAECcAABAnAAAAAAAAAAAAAAAAAAAAAAAAAAAAAAAAAAAAAAAAAAAAABQAAAAAAAAAwMD/AAAAAABkAAAAMgAAAAAAAABkAAAAAAAAAH9/fwAKAAAAIgAAABgAAAAAAAAAAAAAAAAAAAAAAAAAAAAAAAAAAAAkAAAAJAAAAAAAAAAHAAAAAAAAAAAAAAAAAAAAAAAAAAAAAAAAAAAAf39/ACUAAABYAAAAAAAAAAAAAAAAAAAAAAAAAAAAAAAAAAAAAAAAAAAAAAAAAAAAAAAAAAAAAAA/AAAAAAAAAKCGAQAAAAAAAAAAAAAAAAAMAAAAAQAAAAAAAAAAAAAAAAAAAB8AAABUAAAAAAAABQAAAAEAAAAAAAAAAAAAAAAAAAAAAAAAAAAAAAAAAAAAAAAAAAAAAAJ/f38AAAAAA8zMzADAwP8Af39/AAAAAAAAAAAAAAAAAAAAAAAAAAAAIQAAABgAAAAUAAAAwAMAABsnAAA/FQAAWSkAABAAAAAmAAAACAAAAAAAAAAAAAAAMAAAABQAAAAAAAAAAAD//wAAAQAAAP//AAABAA=="/>
               </a:ext>
             </a:extLst>
           </p:cNvSpPr>
@@ -737,7 +737,7 @@
           <a:lstStyle/>
           <a:p>
             <a:pPr/>
-            <a:fld id="{3FC49ED9-97D2-9168-9C7C-613DD0326A34}" type="datetime1">
+            <a:fld id="{3D14690B-45D0-419F-9EAC-B3CA27E268E6}" type="datetime1">
               <a:t/>
             </a:fld>
           </a:p>
@@ -750,7 +750,7 @@
             <a:spLocks noGrp="1" noChangeArrowheads="1"/>
             <a:extLst>
               <a:ext uri="smNativeData">
-                <pr:smNativeData xmlns:pr="smNativeData" xmlns="smNativeData" val="SMDATA_16_zLafZxMAAAAlAAAAZAAAAA8BAAAAkAAAAEgAAACQAAAASAAAAAAAAAABAAAAAAAAAAEAAABQAAAAAAAAAAAA4D8AAAAAAADgPwAAAAAAAOA/AAAAAAAA4D8AAAAAAADgPwAAAAAAAOA/AAAAAAAA4D8AAAAAAADgPwAAAAAAAOA/AAAAAAAA4D8CAAAAjAAAAAAAAAAAAAAAu+DjDP///wgAAAAAAAAAAAAAAAAAAAAAAAAAAAAAAAAAAAAAZAAAAAEAAABAAAAAAAAAAAAAAAAAAAAAAAAAAAAAAAAAAAAAAAAAAAAAAAAAAAAAAAAAAAAAAAAAAAAAAAAAAAAAAAAAAAAAAAAAAAAAAAAAAAAAAAAAAAAAAAAAAAAAFAAAADwAAAAAAAAAAAAAAAAAAAkUAAAAAQAAABQAAAAUAAAAFAAAAAEAAAAAAAAAZAAAAGQAAAAAAAAAZAAAAGQAAAAVAAAAYAAAAAAAAAAAAAAADwAAACADAAAAAAAAAAAAAAEAAACgMgAAVgcAAKr4//8BAAAAf39/AAEAAABkAAAAAAAAABQAAABAHwAAAAAAACYAAAAAAAAAwOD//wAAAAAmAAAAZAAAABYAAABMAAAAAAAAAAAAAAAEAAAAAAAAAAEAAACAgIAKAAAAACgAAAAoAAAAZAAAAGQAAAAAAAAAzMzMAAAAAABQAAAAUAAAAGQAAABkAAAAAAAAABcAAAAUAAAAAAAAAAAAAAD/fwAA/38AAAAAAAAJAAAABAAAAAAAAAAeAAAAaAAAAAAAAAAAAAAAAAAAAAAAAAAAAAAAECcAABAnAAAAAAAAAAAAAAAAAAAAAAAAAAAAAAAAAAAAAAAAAAAAABQAAAAAAAAAwMD/AAAAAABkAAAAMgAAAAAAAABkAAAAAAAAAH9/fwAKAAAAIgAAABgAAAAAAAAAAAAAAAAAAAAAAAAAAAAAAAAAAAAkAAAAJAAAAAAAAAAHAAAAAAAAAAAAAAAAAAAAAAAAAAAAAAAAAAAAf39/ACUAAABYAAAAAAAAAAAAAAAAAAAAAAAAAAAAAAAAAAAAAAAAAAAAAAAAAAAAAAAAAAAAAAA/AAAAAAAAAKCGAQAAAAAAAAAAAAAAAAAMAAAAAQAAAAAAAAAAAAAAAAAAAB8AAABUAAAAAAAABQAAAAEAAAAAAAAAAAAAAAAAAAAAAAAAAAAAAAAAAAAAAAAAAAAAAAJ/f38AAAAAA8zMzADAwP8Af39/AAAAAAAAAAAAAAAAAAAAAAAAAAAAIQAAABgAAAAUAAAAoRkAABsnAABfMQAAWSkAABAAAAAmAAAACAAAAAAAAAAAAAAAMAAAABQAAAAAAAAAAAD//wAAAQAAAP//AAABAA=="/>
+                <pr:smNativeData xmlns:pr="smNativeData" xmlns="smNativeData" val="SMDATA_16_yvWgZxMAAAAlAAAAZAAAAA8BAAAAkAAAAEgAAACQAAAASAAAAAAAAAABAAAAAAAAAAEAAABQAAAAAAAAAAAA4D8AAAAAAADgPwAAAAAAAOA/AAAAAAAA4D8AAAAAAADgPwAAAAAAAOA/AAAAAAAA4D8AAAAAAADgPwAAAAAAAOA/AAAAAAAA4D8CAAAAjAAAAAAAAAAAAAAAu+DjDP///wgAAAAAAAAAAAAAAAAAAAAAAAAAAAAAAAAAAAAAZAAAAAEAAABAAAAAAAAAAAAAAAAAAAAAAAAAAAAAAAAAAAAAAAAAAAAAAAAAAAAAAAAAAAAAAAAAAAAAAAAAAAAAAAAAAAAAAAAAAAAAAAAAAAAAAAAAAAAAAAAAAAAAFAAAADwAAAAAAAAAAAAAAAAAAAkUAAAAAQAAABQAAAAUAAAAFAAAAAEAAAAAAAAAZAAAAGQAAAAAAAAAZAAAAGQAAAAVAAAAYAAAAAAAAAAAAAAADwAAACADAAAAAAAAAAAAAAEAAACgMgAAVgcAAKr4//8BAAAAf39/AAEAAABkAAAAAAAAABQAAABAHwAAAAAAACYAAAAAAAAAwOD//wAAAAAmAAAAZAAAABYAAABMAAAAAAAAAAAAAAAEAAAAAAAAAAEAAACAgIAKAAAAACgAAAAoAAAAZAAAAGQAAAAAAAAAzMzMAAAAAABQAAAAUAAAAGQAAABkAAAAAAAAABcAAAAUAAAAAAAAAAAAAAD/fwAA/38AAAAAAAAJAAAABAAAAAAAAAAeAAAAaAAAAAAAAAAAAAAAAAAAAAAAAAAAAAAAECcAABAnAAAAAAAAAAAAAAAAAAAAAAAAAAAAAAAAAAAAAAAAAAAAABQAAAAAAAAAwMD/AAAAAABkAAAAMgAAAAAAAABkAAAAAAAAAH9/fwAKAAAAIgAAABgAAAAAAAAAAAAAAAAAAAAAAAAAAAAAAAAAAAAkAAAAJAAAAAAAAAAHAAAAAAAAAAAAAAAAAAAAAAAAAAAAAAAAAAAAf39/ACUAAABYAAAAAAAAAAAAAAAAAAAAAAAAAAAAAAAAAAAAAAAAAAAAAAAAAAAAAAAAAAAAAAA/AAAAAAAAAKCGAQAAAAAAAAAAAAAAAAAMAAAAAQAAAAAAAAAAAAAAAAAAAB8AAABUAAAAAAAABQAAAAEAAAAAAAAAAAAAAAAAAAAAAAAAAAAAAAAAAAAAAAAAAAAAAAJ/f38AAAAAA8zMzADAwP8Af39/AAAAAAAAAAAAAAAAAAAAAAAAAAAAIQAAABgAAAAUAAAAoRkAABsnAABfMQAAWSkAABAAAAAmAAAACAAAAAAAAAAAAAAAMAAAABQAAAAAAAAAAAD//wAAAQAAAP//AAABAA=="/>
               </a:ext>
             </a:extLst>
           </p:cNvSpPr>
@@ -774,7 +774,7 @@
             <a:spLocks noGrp="1" noChangeArrowheads="1"/>
             <a:extLst>
               <a:ext uri="smNativeData">
-                <pr:smNativeData xmlns:pr="smNativeData" xmlns="smNativeData" val="SMDATA_16_zLafZxMAAAAlAAAAZAAAAA8BAAAAkAAAAEgAAACQAAAASAAAAAAAAAABAAAAAAAAAAEAAABQAAAAAAAAAAAA4D8AAAAAAADgPwAAAAAAAOA/AAAAAAAA4D8AAAAAAADgPwAAAAAAAOA/AAAAAAAA4D8AAAAAAADgPwAAAAAAAOA/AAAAAAAA4D8CAAAAjAAAAAAAAAAAAAAAu+DjDP///wgAAAAAAAAAAAAAAAAAAAAAAAAAAAAAAAAAAAAAZAAAAAEAAABAAAAAAAAAAAAAAAAAAAAAAAAAAAAAAAAAAAAAAAAAAAAAAAAAAAAAAAAAAAAAAAAAAAAAAAAAAAAAAAAAAAAAAAAAAAAAAAAAAAAAAAAAAAAAAAAAAAAAFAAAADwAAAAAAAAAAAAAAAAAAAkUAAAAAQAAABQAAAAUAAAAFAAAAAEAAAAAAAAAZAAAAGQAAAAAAAAAZAAAAGQAAAAVAAAAYAAAAAAAAAAAAAAADwAAACADAAAAAAAAAAAAAAEAAACgMgAAVgcAAKr4//8BAAAAf39/AAEAAABkAAAAAAAAABQAAABAHwAAAAAAACYAAAAAAAAAwOD//wAAAAAmAAAAZAAAABYAAABMAAAAAAAAAAAAAAAEAAAAAAAAAAEAAACAgIAKAAAAACgAAAAoAAAAZAAAAGQAAAAAAAAAzMzMAAAAAABQAAAAUAAAAGQAAABkAAAAAAAAABcAAAAUAAAAAAAAAAAAAAD/fwAA/38AAAAAAAAJAAAABAAAAAAAAAAeAAAAaAAAAAAAAAAAAAAAAAAAAAAAAAAAAAAAECcAABAnAAAAAAAAAAAAAAAAAAAAAAAAAAAAAAAAAAAAAAAAAAAAABQAAAAAAAAAwMD/AAAAAABkAAAAMgAAAAAAAABkAAAAAAAAAH9/fwAKAAAAIgAAABgAAAAAAAAAAAAAAAAAAAAAAAAAAAAAAAAAAAAkAAAAJAAAAAAAAAAHAAAAAAAAAAAAAAAAAAAAAAAAAAAAAAAAAAAAf39/ACUAAABYAAAAAAAAAAAAAAAAAAAAAAAAAAAAAAAAAAAAAAAAAAAAAAAAAAAAAAAAAAAAAAA/AAAAAAAAAKCGAQAAAAAAAAAAAAAAAAAMAAAAAQAAAAAAAAAAAAAAAAAAAB8AAABUAAAAAAAABQAAAAEAAAAAAAAAAAAAAAAAAAAAAAAAAAAAAAAAAAAAAAAAAAAAAAJ/f38AAAAAA8zMzADAwP8Af39/AAAAAAAAAAAAAAAAAAAAAAAAAAAAIQAAABgAAAAUAAAAwTUAABsnAABARwAAWSkAABAAAAAmAAAACAAAAAAAAAAAAAAAMAAAABQAAAAAAAAAAAD//wAAAQAAAP//AAABAA=="/>
+                <pr:smNativeData xmlns:pr="smNativeData" xmlns="smNativeData" val="SMDATA_16_yvWgZxMAAAAlAAAAZAAAAA8BAAAAkAAAAEgAAACQAAAASAAAAAAAAAABAAAAAAAAAAEAAABQAAAAAAAAAAAA4D8AAAAAAADgPwAAAAAAAOA/AAAAAAAA4D8AAAAAAADgPwAAAAAAAOA/AAAAAAAA4D8AAAAAAADgPwAAAAAAAOA/AAAAAAAA4D8CAAAAjAAAAAAAAAAAAAAAu+DjDP///wgAAAAAAAAAAAAAAAAAAAAAAAAAAAAAAAAAAAAAZAAAAAEAAABAAAAAAAAAAAAAAAAAAAAAAAAAAAAAAAAAAAAAAAAAAAAAAAAAAAAAAAAAAAAAAAAAAAAAAAAAAAAAAAAAAAAAAAAAAAAAAAAAAAAAAAAAAAAAAAAAAAAAFAAAADwAAAAAAAAAAAAAAAAAAAkUAAAAAQAAABQAAAAUAAAAFAAAAAEAAAAAAAAAZAAAAGQAAAAAAAAAZAAAAGQAAAAVAAAAYAAAAAAAAAAAAAAADwAAACADAAAAAAAAAAAAAAEAAACgMgAAVgcAAKr4//8BAAAAf39/AAEAAABkAAAAAAAAABQAAABAHwAAAAAAACYAAAAAAAAAwOD//wAAAAAmAAAAZAAAABYAAABMAAAAAAAAAAAAAAAEAAAAAAAAAAEAAACAgIAKAAAAACgAAAAoAAAAZAAAAGQAAAAAAAAAzMzMAAAAAABQAAAAUAAAAGQAAABkAAAAAAAAABcAAAAUAAAAAAAAAAAAAAD/fwAA/38AAAAAAAAJAAAABAAAAAAAAAAeAAAAaAAAAAAAAAAAAAAAAAAAAAAAAAAAAAAAECcAABAnAAAAAAAAAAAAAAAAAAAAAAAAAAAAAAAAAAAAAAAAAAAAABQAAAAAAAAAwMD/AAAAAABkAAAAMgAAAAAAAABkAAAAAAAAAH9/fwAKAAAAIgAAABgAAAAAAAAAAAAAAAAAAAAAAAAAAAAAAAAAAAAkAAAAJAAAAAAAAAAHAAAAAAAAAAAAAAAAAAAAAAAAAAAAAAAAAAAAf39/ACUAAABYAAAAAAAAAAAAAAAAAAAAAAAAAAAAAAAAAAAAAAAAAAAAAAAAAAAAAAAAAAAAAAA/AAAAAAAAAKCGAQAAAAAAAAAAAAAAAAAMAAAAAQAAAAAAAAAAAAAAAAAAAB8AAABUAAAAAAAABQAAAAEAAAAAAAAAAAAAAAAAAAAAAAAAAAAAAAAAAAAAAAAAAAAAAAJ/f38AAAAAA8zMzADAwP8Af39/AAAAAAAAAAAAAAAAAAAAAAAAAAAAIQAAABgAAAAUAAAAwTUAABsnAABARwAAWSkAABAAAAAmAAAACAAAAAAAAAAAAAAAMAAAABQAAAAAAAAAAAD//wAAAQAAAP//AAABAA=="/>
               </a:ext>
             </a:extLst>
           </p:cNvSpPr>
@@ -788,7 +788,7 @@
           <a:lstStyle/>
           <a:p>
             <a:pPr/>
-            <a:fld id="{3FC4D1FD-B3D2-9127-9C7C-45729F326A10}" type="slidenum">
+            <a:fld id="{3D142EA8-E6D0-41D8-9EAC-108D60E26845}" type="slidenum">
               <a:t/>
             </a:fld>
           </a:p>
@@ -827,7 +827,7 @@
             <a:spLocks noGrp="1" noChangeArrowheads="1"/>
             <a:extLst>
               <a:ext uri="smNativeData">
-                <pr:smNativeData xmlns:pr="smNativeData" xmlns="smNativeData" val="SMDATA_16_zLafZxMAAAAlAAAAZAAAAA8BAAAAkAAAAEgAAACQAAAASAAAAAAAAAABAAAAAAAAAAEAAABQAAAAAAAAAAAA4D8AAAAAAADgPwAAAAAAAOA/AAAAAAAA4D8AAAAAAADgPwAAAAAAAOA/AAAAAAAA4D8AAAAAAADgPwAAAAAAAOA/AAAAAAAA4D8CAAAAjAAAAAAAAAAAAAAAu+DjDP///wgAAAAAAAAAAAAAAAAAAAAAAAAAAAAAAAAAAAAAZAAAAAEAAABAAAAAAAAAAAAAAAAAAAAAAAAAAAAAAAAAAAAAAAAAAAAAAAAAAAAAAAAAAAAAAAAAAAAAAAAAAAAAAAAAAAAAAAAAAAAAAAAAAAAAAAAAAAAAAAAAAAAAFAAAADwAAAAAAAAAAAAAAAAAAAkUAAAAAQAAABQAAAAUAAAAFAAAAAEAAAAAAAAAZAAAAGQAAAAAAAAAZAAAAGQAAAAVAAAAYAAAAAAAAAAAAAAADwAAACADAAAAAAAAAAAAAAEAAACgMgAAVgcAAKr4//8BAAAAf39/AAEAAABkAAAAAAAAABQAAABAHwAAAAAAACYAAAAAAAAAwOD//wAAAAAmAAAAZAAAABYAAABMAAAAAAAAAAAAAAAEAAAAAAAAAAEAAACAgIAKAAAAACgAAAAoAAAAZAAAAGQAAAAAAAAAzMzMAAAAAABQAAAAUAAAAGQAAABkAAAAAAAAABcAAAAUAAAAAAAAAAAAAAD/fwAA/38AAAAAAAAJAAAABAAAAAAAAAAeAAAAaAAAAAAAAAAAAAAAAAAAAAAAAAAAAAAAECcAABAnAAAAAAAAAAAAAAAAAAAAAAAAAAAAAAAAAAAAAAAAAAAAABQAAAAAAAAAwMD/AAAAAABkAAAAMgAAAAAAAABkAAAAAAAAAH9/fwAKAAAAIgAAABgAAAAAAAAAAAAAAAAAAAAAAAAAAAAAAAAAAAAkAAAAJAAAAAAAAAAHAAAAAAAAAAAAAAAAAAAAAAAAAAAAAAAAAAAAf39/ACUAAABYAAAAAAAAAAAAAAAAAAAAAAAAAAAAAAAAAAAAAAAAAAAAAAAAAAAAAAAAAAAAAAA/AAAAAAAAAKCGAQAAAAAAAAAAAAAAAAAMAAAAAQAAAAAAAAAAAAAAAAAAAB8AAABUAAAAAAAABQAAAAEAAAAAAAAAAAAAAAAAAAAAAAAAAAAAAAAAAAAAAAAAAAAAAAJ/f38AAAAAA8zMzADAwP8Af39/AAAAAAAAAAAAAAAAAAAAAAAAAAAAIQAAABgAAAAUAAAAwAMAALABAABARwAAuAgAABAAAAAmAAAACAAAAAAAAAAAAAAAMAAAABQAAAAAAAAAAAD//wAAAQAAAP//AAABAA=="/>
+                <pr:smNativeData xmlns:pr="smNativeData" xmlns="smNativeData" val="SMDATA_16_yvWgZxMAAAAlAAAAZAAAAA8BAAAAkAAAAEgAAACQAAAASAAAAAAAAAABAAAAAAAAAAEAAABQAAAAAAAAAAAA4D8AAAAAAADgPwAAAAAAAOA/AAAAAAAA4D8AAAAAAADgPwAAAAAAAOA/AAAAAAAA4D8AAAAAAADgPwAAAAAAAOA/AAAAAAAA4D8CAAAAjAAAAAAAAAAAAAAAu+DjDP///wgAAAAAAAAAAAAAAAAAAAAAAAAAAAAAAAAAAAAAZAAAAAEAAABAAAAAAAAAAAAAAAAAAAAAAAAAAAAAAAAAAAAAAAAAAAAAAAAAAAAAAAAAAAAAAAAAAAAAAAAAAAAAAAAAAAAAAAAAAAAAAAAAAAAAAAAAAAAAAAAAAAAAFAAAADwAAAAAAAAAAAAAAAAAAAkUAAAAAQAAABQAAAAUAAAAFAAAAAEAAAAAAAAAZAAAAGQAAAAAAAAAZAAAAGQAAAAVAAAAYAAAAAAAAAAAAAAADwAAACADAAAAAAAAAAAAAAEAAACgMgAAVgcAAKr4//8BAAAAf39/AAEAAABkAAAAAAAAABQAAABAHwAAAAAAACYAAAAAAAAAwOD//wAAAAAmAAAAZAAAABYAAABMAAAAAAAAAAAAAAAEAAAAAAAAAAEAAACAgIAKAAAAACgAAAAoAAAAZAAAAGQAAAAAAAAAzMzMAAAAAABQAAAAUAAAAGQAAABkAAAAAAAAABcAAAAUAAAAAAAAAAAAAAD/fwAA/38AAAAAAAAJAAAABAAAAAAAAAAeAAAAaAAAAAAAAAAAAAAAAAAAAAAAAAAAAAAAECcAABAnAAAAAAAAAAAAAAAAAAAAAAAAAAAAAAAAAAAAAAAAAAAAABQAAAAAAAAAwMD/AAAAAABkAAAAMgAAAAAAAABkAAAAAAAAAH9/fwAKAAAAIgAAABgAAAAAAAAAAAAAAAAAAAAAAAAAAAAAAAAAAAAkAAAAJAAAAAAAAAAHAAAAAAAAAAAAAAAAAAAAAAAAAAAAAAAAAAAAf39/ACUAAABYAAAAAAAAAAAAAAAAAAAAAAAAAAAAAAAAAAAAAAAAAAAAAAAAAAAAAAAAAAAAAAA/AAAAAAAAAKCGAQAAAAAAAAAAAAAAAAAMAAAAAQAAAAAAAAAAAAAAAAAAAB8AAABUAAAAAAAABQAAAAEAAAAAAAAAAAAAAAAAAAAAAAAAAAAAAAAAAAAAAAAAAAAAAAJ/f38AAAAAA8zMzADAwP8Af39/AAAAAAAAAAAAAAAAAAAAAAAAAAAAIQAAABgAAAAUAAAAwAMAALABAABARwAAuAgAABAAAAAmAAAACAAAAAAAAAAAAAAAMAAAABQAAAAAAAAAAAD//wAAAQAAAP//AAABAA=="/>
               </a:ext>
             </a:extLst>
           </p:cNvSpPr>
@@ -854,7 +854,7 @@
             <a:spLocks noGrp="1" noChangeArrowheads="1"/>
             <a:extLst>
               <a:ext uri="smNativeData">
-                <pr:smNativeData xmlns:pr="smNativeData" xmlns="smNativeData" val="SMDATA_16_zLafZxMAAAAlAAAAZAAAAA8BAAAAkAAAAEgAAACQAAAASAAAAAAAAAAAAAAAAAAAAAEAAABQAAAAAAAAAAAA4D8AAAAAAADgPwAAAAAAAOA/AAAAAAAA4D8AAAAAAADgPwAAAAAAAOA/AAAAAAAA4D8AAAAAAADgPwAAAAAAAOA/AAAAAAAA4D8CAAAAjAAAAAAAAAAAAAAAu+DjDP///wgAAAAAAAAAAAAAAAAAAAAAAAAAAAAAAAAAAAAAZAAAAAEAAABAAAAAAAAAAAAAAAAAAAAAAAAAAAAAAAAAAAAAAAAAAAAAAAAAAAAAAAAAAAAAAAAAAAAAAAAAAAAAAAAAAAAAAAAAAAAAAAAAAAAAAAAAAAAAAAAAAAAAFAAAADwAAAAAAAAAAAAAAAAAAAkUAAAAAQAAABQAAAAUAAAAFAAAAAEAAAAAAAAAZAAAAGQAAAAAAAAAZAAAAGQAAAAVAAAAYAAAAAAAAAAAAAAADwAAACADAAAAAAAAAAAAAAEAAACgMgAAVgcAAKr4//8BAAAAf39/AAEAAABkAAAAAAAAABQAAABAHwAAAAAAACYAAAAAAAAAwOD//wAAAAAmAAAAZAAAABYAAABMAAAAAAAAAAAAAAAEAAAAAAAAAAEAAACAgIAKAAAAACgAAAAoAAAAZAAAAGQAAAAAAAAAzMzMAAAAAABQAAAAUAAAAGQAAABkAAAAAAAAABcAAAAUAAAAAAAAAAAAAAD/fwAA/38AAAAAAAAJAAAABAAAAAAAAAAeAAAAaAAAAAAAAAAAAAAAAAAAAAAAAAAAAAAAECcAABAnAAAAAAAAAAAAAAAAAAAAAAAAAAAAAAAAAAAAAAAAAAAAABQAAAAAAAAAwMD/AAAAAABkAAAAMgAAAAAAAABkAAAAAAAAAH9/fwAKAAAAIgAAABgAAAAAAAAAAAAAAAAAAAAAAAAAAAAAAAAAAAAkAAAAJAAAAAAAAAAHAAAAAAAAAAAAAAAAAAAAAAAAAAAAAAAAAAAAf39/ACUAAABYAAAAAAAAAAAAAAAAAAAAAAAAAAAAAAAAAAAAAAAAAAAAAAAAAAAAAAAAAAAAAAA/AAAAAAAAAKCGAQAAAAAAAAAAAAAAAAAMAAAAAQAAAAAAAAAAAAAAAAAAAB8AAABUAAAAAAAABQAAAAEAAAAAAAAAAAAAAAAAAAAAAAAAAAAAAAAAAAAAAAAAAAAAAAJ/f38AAAAAA8zMzADAwP8Af39/AAAAAAAAAAAAAAAAAAAAAAAAAAAAIQAAABgAAAAUAAAAwAMAANgJAABARwAAsCUAABAAAAAmAAAACAAAAAAAAAAAAAAAMAAAABQAAAAAAAAAAAD//wAAAQAAAP//AAABAA=="/>
+                <pr:smNativeData xmlns:pr="smNativeData" xmlns="smNativeData" val="SMDATA_16_yvWgZxMAAAAlAAAAZAAAAA8BAAAAkAAAAEgAAACQAAAASAAAAAAAAAAAAAAAAAAAAAEAAABQAAAAAAAAAAAA4D8AAAAAAADgPwAAAAAAAOA/AAAAAAAA4D8AAAAAAADgPwAAAAAAAOA/AAAAAAAA4D8AAAAAAADgPwAAAAAAAOA/AAAAAAAA4D8CAAAAjAAAAAAAAAAAAAAAu+DjDP///wgAAAAAAAAAAAAAAAAAAAAAAAAAAAAAAAAAAAAAZAAAAAEAAABAAAAAAAAAAAAAAAAAAAAAAAAAAAAAAAAAAAAAAAAAAAAAAAAAAAAAAAAAAAAAAAAAAAAAAAAAAAAAAAAAAAAAAAAAAAAAAAAAAAAAAAAAAAAAAAAAAAAAFAAAADwAAAAAAAAAAAAAAAAAAAkUAAAAAQAAABQAAAAUAAAAFAAAAAEAAAAAAAAAZAAAAGQAAAAAAAAAZAAAAGQAAAAVAAAAYAAAAAAAAAAAAAAADwAAACADAAAAAAAAAAAAAAEAAACgMgAAVgcAAKr4//8BAAAAf39/AAEAAABkAAAAAAAAABQAAABAHwAAAAAAACYAAAAAAAAAwOD//wAAAAAmAAAAZAAAABYAAABMAAAAAAAAAAAAAAAEAAAAAAAAAAEAAACAgIAKAAAAACgAAAAoAAAAZAAAAGQAAAAAAAAAzMzMAAAAAABQAAAAUAAAAGQAAABkAAAAAAAAABcAAAAUAAAAAAAAAAAAAAD/fwAA/38AAAAAAAAJAAAABAAAAAAAAAAeAAAAaAAAAAAAAAAAAAAAAAAAAAAAAAAAAAAAECcAABAnAAAAAAAAAAAAAAAAAAAAAAAAAAAAAAAAAAAAAAAAAAAAABQAAAAAAAAAwMD/AAAAAABkAAAAMgAAAAAAAABkAAAAAAAAAH9/fwAKAAAAIgAAABgAAAAAAAAAAAAAAAAAAAAAAAAAAAAAAAAAAAAkAAAAJAAAAAAAAAAHAAAAAAAAAAAAAAAAAAAAAAAAAAAAAAAAAAAAf39/ACUAAABYAAAAAAAAAAAAAAAAAAAAAAAAAAAAAAAAAAAAAAAAAAAAAAAAAAAAAAAAAAAAAAA/AAAAAAAAAKCGAQAAAAAAAAAAAAAAAAAMAAAAAQAAAAAAAAAAAAAAAAAAAB8AAABUAAAAAAAABQAAAAEAAAAAAAAAAAAAAAAAAAAAAAAAAAAAAAAAAAAAAAAAAAAAAAJ/f38AAAAAA8zMzADAwP8Af39/AAAAAAAAAAAAAAAAAAAAAAAAAAAAIQAAABgAAAAUAAAAwAMAANgJAABARwAAsCUAABAAAAAmAAAACAAAAAAAAAAAAAAAMAAAABQAAAAAAAAAAAD//wAAAQAAAP//AAABAA=="/>
               </a:ext>
             </a:extLst>
           </p:cNvSpPr>
@@ -905,7 +905,7 @@
             <a:spLocks noGrp="1" noChangeArrowheads="1"/>
             <a:extLst>
               <a:ext uri="smNativeData">
-                <pr:smNativeData xmlns:pr="smNativeData" xmlns="smNativeData" val="SMDATA_16_zLafZxMAAAAlAAAAZAAAAA8BAAAAkAAAAEgAAACQAAAASAAAAAAAAAABAAAAAAAAAAEAAABQAAAAAAAAAAAA4D8AAAAAAADgPwAAAAAAAOA/AAAAAAAA4D8AAAAAAADgPwAAAAAAAOA/AAAAAAAA4D8AAAAAAADgPwAAAAAAAOA/AAAAAAAA4D8CAAAAjAAAAAAAAAAAAAAAu+DjDP///wgAAAAAAAAAAAAAAAAAAAAAAAAAAAAAAAAAAAAAZAAAAAEAAABAAAAAAAAAAAAAAAAAAAAAAAAAAAAAAAAAAAAAAAAAAAAAAAAAAAAAAAAAAAAAAAAAAAAAAAAAAAAAAAAAAAAAAAAAAAAAAAAAAAAAAAAAAAAAAAAAAAAAFAAAADwAAAAAAAAAAAAAAAAAAAkUAAAAAQAAABQAAAAUAAAAFAAAAAEAAAAAAAAAZAAAAGQAAAAAAAAAZAAAAGQAAAAVAAAAYAAAAAAAAAAAAAAADwAAACADAAAAAAAAAAAAAAEAAACgMgAAVgcAAKr4//8BAAAAf39/AAEAAABkAAAAAAAAABQAAABAHwAAAAAAACYAAAAAAAAAwOD//wAAAAAmAAAAZAAAABYAAABMAAAAAAAAAAAAAAAEAAAAAAAAAAEAAACAgIAKAAAAACgAAAAoAAAAZAAAAGQAAAAAAAAAzMzMAAAAAABQAAAAUAAAAGQAAABkAAAAAAAAABcAAAAUAAAAAAAAAAAAAAD/fwAA/38AAAAAAAAJAAAABAAAANw7IAEeAAAAaAAAAAAAAAAAAAAAAAAAAAAAAAAAAAAAECcAABAnAAAAAAAAAAAAAAAAAAAAAAAAAAAAAAAAAAAAAAAAAAAAABQAAAAAAAAAwMD/AAAAAABkAAAAMgAAAAAAAABkAAAAAAAAAH9/fwAKAAAAIgAAABgAAAAAAAAAAAAAAAAAAAAAAAAAAAAAAAAAAAAkAAAAJAAAAAAAAAAHAAAAAAAAAAAAAAAAAAAAAAAAAAAAAAAAAAAAf39/ACUAAABYAAAAAAAAAAAAAAAAAAAAAAAAAAAAAAAAAAAAAAAAAAAAAAAAAAAAAAAAAAAAAAA/AAAAAAAAAKCGAQAAAAAAAAAAAAAAAAAMAAAAAQAAAAAAAAAAAAAAAAAAAB8AAABUAAAAAAAABQAAAAEAAAAAAAAAAAAAAAAAAAAAAAAAAAAAAAAAAAAAAAAAAAAAAAJ/f38AAAAAA8zMzADAwP8Af39/AAAAAAAAAAAAAAAAAAAAAAAAAAAAIQAAABgAAAAUAAAAwAMAABsnAAA/FQAAWSkAABAAAAAmAAAACAAAAAAAAAAAAAAAMAAAABQAAAAAAAAAAAD//wAAAQAAAP//AAABAA=="/>
+                <pr:smNativeData xmlns:pr="smNativeData" xmlns="smNativeData" val="SMDATA_16_yvWgZxMAAAAlAAAAZAAAAA8BAAAAkAAAAEgAAACQAAAASAAAAAAAAAABAAAAAAAAAAEAAABQAAAAAAAAAAAA4D8AAAAAAADgPwAAAAAAAOA/AAAAAAAA4D8AAAAAAADgPwAAAAAAAOA/AAAAAAAA4D8AAAAAAADgPwAAAAAAAOA/AAAAAAAA4D8CAAAAjAAAAAAAAAAAAAAAu+DjDP///wgAAAAAAAAAAAAAAAAAAAAAAAAAAAAAAAAAAAAAZAAAAAEAAABAAAAAAAAAAAAAAAAAAAAAAAAAAAAAAAAAAAAAAAAAAAAAAAAAAAAAAAAAAAAAAAAAAAAAAAAAAAAAAAAAAAAAAAAAAAAAAAAAAAAAAAAAAAAAAAAAAAAAFAAAADwAAAAAAAAAAAAAAAAAAAkUAAAAAQAAABQAAAAUAAAAFAAAAAEAAAAAAAAAZAAAAGQAAAAAAAAAZAAAAGQAAAAVAAAAYAAAAAAAAAAAAAAADwAAACADAAAAAAAAAAAAAAEAAACgMgAAVgcAAKr4//8BAAAAf39/AAEAAABkAAAAAAAAABQAAABAHwAAAAAAACYAAAAAAAAAwOD//wAAAAAmAAAAZAAAABYAAABMAAAAAAAAAAAAAAAEAAAAAAAAAAEAAACAgIAKAAAAACgAAAAoAAAAZAAAAGQAAAAAAAAAzMzMAAAAAABQAAAAUAAAAGQAAABkAAAAAAAAABcAAAAUAAAAAAAAAAAAAAD/fwAA/38AAAAAAAAJAAAABAAAANw7IAEeAAAAaAAAAAAAAAAAAAAAAAAAAAAAAAAAAAAAECcAABAnAAAAAAAAAAAAAAAAAAAAAAAAAAAAAAAAAAAAAAAAAAAAABQAAAAAAAAAwMD/AAAAAABkAAAAMgAAAAAAAABkAAAAAAAAAH9/fwAKAAAAIgAAABgAAAAAAAAAAAAAAAAAAAAAAAAAAAAAAAAAAAAkAAAAJAAAAAAAAAAHAAAAAAAAAAAAAAAAAAAAAAAAAAAAAAAAAAAAf39/ACUAAABYAAAAAAAAAAAAAAAAAAAAAAAAAAAAAAAAAAAAAAAAAAAAAAAAAAAAAAAAAAAAAAA/AAAAAAAAAKCGAQAAAAAAAAAAAAAAAAAMAAAAAQAAAAAAAAAAAAAAAAAAAB8AAABUAAAAAAAABQAAAAEAAAAAAAAAAAAAAAAAAAAAAAAAAAAAAAAAAAAAAAAAAAAAAAJ/f38AAAAAA8zMzADAwP8Af39/AAAAAAAAAAAAAAAAAAAAAAAAAAAAIQAAABgAAAAUAAAAwAMAABsnAAA/FQAAWSkAABAAAAAmAAAACAAAAAAAAAAAAAAAMAAAABQAAAAAAAAAAAD//wAAAQAAAP//AAABAA=="/>
               </a:ext>
             </a:extLst>
           </p:cNvSpPr>
@@ -919,7 +919,7 @@
           <a:lstStyle/>
           <a:p>
             <a:pPr/>
-            <a:fld id="{3FC4A445-0BD2-9152-9C7C-FD07EA326AA8}" type="datetime1">
+            <a:fld id="{3D14689E-D0D0-419E-9EAC-26CB26E26873}" type="datetime1">
               <a:t/>
             </a:fld>
           </a:p>
@@ -932,7 +932,7 @@
             <a:spLocks noGrp="1" noChangeArrowheads="1"/>
             <a:extLst>
               <a:ext uri="smNativeData">
-                <pr:smNativeData xmlns:pr="smNativeData" xmlns="smNativeData" val="SMDATA_16_zLafZxMAAAAlAAAAZAAAAA8BAAAAkAAAAEgAAACQAAAASAAAAAAAAAABAAAAAAAAAAEAAABQAAAAAAAAAAAA4D8AAAAAAADgPwAAAAAAAOA/AAAAAAAA4D8AAAAAAADgPwAAAAAAAOA/AAAAAAAA4D8AAAAAAADgPwAAAAAAAOA/AAAAAAAA4D8CAAAAjAAAAAAAAAAAAAAAu+DjDP///wgAAAAAAAAAAAAAAAAAAAAAAAAAAAAAAAAAAAAAZAAAAAEAAABAAAAAAAAAAAAAAAAAAAAAAAAAAAAAAAAAAAAAAAAAAAAAAAAAAAAAAAAAAAAAAAAAAAAAAAAAAAAAAAAAAAAAAAAAAAAAAAAAAAAAAAAAAAAAAAAAAAAAFAAAADwAAAAAAAAAAAAAAAAAAAkUAAAAAQAAABQAAAAUAAAAFAAAAAEAAAAAAAAAZAAAAGQAAAAAAAAAZAAAAGQAAAAVAAAAYAAAAAAAAAAAAAAADwAAACADAAAAAAAAAAAAAAEAAACgMgAAVgcAAKr4//8BAAAAf39/AAEAAABkAAAAAAAAABQAAABAHwAAAAAAACYAAAAAAAAAwOD//wAAAAAmAAAAZAAAABYAAABMAAAAAAAAAAAAAAAEAAAAAAAAAAEAAACAgIAKAAAAACgAAAAoAAAAZAAAAGQAAAAAAAAAzMzMAAAAAABQAAAAUAAAAGQAAABkAAAAAAAAABcAAAAUAAAAAAAAAAAAAAD/fwAA/38AAAAAAAAJAAAABAAAANw7IAEeAAAAaAAAAAAAAAAAAAAAAAAAAAAAAAAAAAAAECcAABAnAAAAAAAAAAAAAAAAAAAAAAAAAAAAAAAAAAAAAAAAAAAAABQAAAAAAAAAwMD/AAAAAABkAAAAMgAAAAAAAABkAAAAAAAAAH9/fwAKAAAAIgAAABgAAAAAAAAAAAAAAAAAAAAAAAAAAAAAAAAAAAAkAAAAJAAAAAAAAAAHAAAAAAAAAAAAAAAAAAAAAAAAAAAAAAAAAAAAf39/ACUAAABYAAAAAAAAAAAAAAAAAAAAAAAAAAAAAAAAAAAAAAAAAAAAAAAAAAAAAAAAAAAAAAA/AAAAAAAAAKCGAQAAAAAAAAAAAAAAAAAMAAAAAQAAAAAAAAAAAAAAAAAAAB8AAABUAAAAAAAABQAAAAEAAAAAAAAAAAAAAAAAAAAAAAAAAAAAAAAAAAAAAAAAAAAAAAJ/f38AAAAAA8zMzADAwP8Af39/AAAAAAAAAAAAAAAAAAAAAAAAAAAAIQAAABgAAAAUAAAAoRkAABsnAABfMQAAWSkAABAAAAAmAAAACAAAAAAAAAAAAAAAMAAAABQAAAAAAAAAAAD//wAAAQAAAP//AAABAA=="/>
+                <pr:smNativeData xmlns:pr="smNativeData" xmlns="smNativeData" val="SMDATA_16_yvWgZxMAAAAlAAAAZAAAAA8BAAAAkAAAAEgAAACQAAAASAAAAAAAAAABAAAAAAAAAAEAAABQAAAAAAAAAAAA4D8AAAAAAADgPwAAAAAAAOA/AAAAAAAA4D8AAAAAAADgPwAAAAAAAOA/AAAAAAAA4D8AAAAAAADgPwAAAAAAAOA/AAAAAAAA4D8CAAAAjAAAAAAAAAAAAAAAu+DjDP///wgAAAAAAAAAAAAAAAAAAAAAAAAAAAAAAAAAAAAAZAAAAAEAAABAAAAAAAAAAAAAAAAAAAAAAAAAAAAAAAAAAAAAAAAAAAAAAAAAAAAAAAAAAAAAAAAAAAAAAAAAAAAAAAAAAAAAAAAAAAAAAAAAAAAAAAAAAAAAAAAAAAAAFAAAADwAAAAAAAAAAAAAAAAAAAkUAAAAAQAAABQAAAAUAAAAFAAAAAEAAAAAAAAAZAAAAGQAAAAAAAAAZAAAAGQAAAAVAAAAYAAAAAAAAAAAAAAADwAAACADAAAAAAAAAAAAAAEAAACgMgAAVgcAAKr4//8BAAAAf39/AAEAAABkAAAAAAAAABQAAABAHwAAAAAAACYAAAAAAAAAwOD//wAAAAAmAAAAZAAAABYAAABMAAAAAAAAAAAAAAAEAAAAAAAAAAEAAACAgIAKAAAAACgAAAAoAAAAZAAAAGQAAAAAAAAAzMzMAAAAAABQAAAAUAAAAGQAAABkAAAAAAAAABcAAAAUAAAAAAAAAAAAAAD/fwAA/38AAAAAAAAJAAAABAAAANw7IAEeAAAAaAAAAAAAAAAAAAAAAAAAAAAAAAAAAAAAECcAABAnAAAAAAAAAAAAAAAAAAAAAAAAAAAAAAAAAAAAAAAAAAAAABQAAAAAAAAAwMD/AAAAAABkAAAAMgAAAAAAAABkAAAAAAAAAH9/fwAKAAAAIgAAABgAAAAAAAAAAAAAAAAAAAAAAAAAAAAAAAAAAAAkAAAAJAAAAAAAAAAHAAAAAAAAAAAAAAAAAAAAAAAAAAAAAAAAAAAAf39/ACUAAABYAAAAAAAAAAAAAAAAAAAAAAAAAAAAAAAAAAAAAAAAAAAAAAAAAAAAAAAAAAAAAAA/AAAAAAAAAKCGAQAAAAAAAAAAAAAAAAAMAAAAAQAAAAAAAAAAAAAAAAAAAB8AAABUAAAAAAAABQAAAAEAAAAAAAAAAAAAAAAAAAAAAAAAAAAAAAAAAAAAAAAAAAAAAAJ/f38AAAAAA8zMzADAwP8Af39/AAAAAAAAAAAAAAAAAAAAAAAAAAAAIQAAABgAAAAUAAAAoRkAABsnAABfMQAAWSkAABAAAAAmAAAACAAAAAAAAAAAAAAAMAAAABQAAAAAAAAAAAD//wAAAQAAAP//AAABAA=="/>
               </a:ext>
             </a:extLst>
           </p:cNvSpPr>
@@ -956,7 +956,7 @@
             <a:spLocks noGrp="1" noChangeArrowheads="1"/>
             <a:extLst>
               <a:ext uri="smNativeData">
-                <pr:smNativeData xmlns:pr="smNativeData" xmlns="smNativeData" val="SMDATA_16_zLafZxMAAAAlAAAAZAAAAA8BAAAAkAAAAEgAAACQAAAASAAAAAAAAAABAAAAAAAAAAEAAABQAAAAAAAAAAAA4D8AAAAAAADgPwAAAAAAAOA/AAAAAAAA4D8AAAAAAADgPwAAAAAAAOA/AAAAAAAA4D8AAAAAAADgPwAAAAAAAOA/AAAAAAAA4D8CAAAAjAAAAAAAAAAAAAAAu+DjDP///wgAAAAAAAAAAAAAAAAAAAAAAAAAAAAAAAAAAAAAZAAAAAEAAABAAAAAAAAAAAAAAAAAAAAAAAAAAAAAAAAAAAAAAAAAAAAAAAAAAAAAAAAAAAAAAAAAAAAAAAAAAAAAAAAAAAAAAAAAAAAAAAAAAAAAAAAAAAAAAAAAAAAAFAAAADwAAAAAAAAAAAAAAAAAAAkUAAAAAQAAABQAAAAUAAAAFAAAAAEAAAAAAAAAZAAAAGQAAAAAAAAAZAAAAGQAAAAVAAAAYAAAAAAAAAAAAAAADwAAACADAAAAAAAAAAAAAAEAAACgMgAAVgcAAKr4//8BAAAAf39/AAEAAABkAAAAAAAAABQAAABAHwAAAAAAACYAAAAAAAAAwOD//wAAAAAmAAAAZAAAABYAAABMAAAAAAAAAAAAAAAEAAAAAAAAAAEAAACAgIAKAAAAACgAAAAoAAAAZAAAAGQAAAAAAAAAzMzMAAAAAABQAAAAUAAAAGQAAABkAAAAAAAAABcAAAAUAAAAAAAAAAAAAAD/fwAA/38AAAAAAAAJAAAABAAAAAAAAAAeAAAAaAAAAAAAAAAAAAAAAAAAAAAAAAAAAAAAECcAABAnAAAAAAAAAAAAAAAAAAAAAAAAAAAAAAAAAAAAAAAAAAAAABQAAAAAAAAAwMD/AAAAAABkAAAAMgAAAAAAAABkAAAAAAAAAH9/fwAKAAAAIgAAABgAAAAAAAAAAAAAAAAAAAAAAAAAAAAAAAAAAAAkAAAAJAAAAAAAAAAHAAAAAAAAAAAAAAAAAAAAAAAAAAAAAAAAAAAAf39/ACUAAABYAAAAAAAAAAAAAAAAAAAAAAAAAAAAAAAAAAAAAAAAAAAAAAAAAAAAAAAAAAAAAAA/AAAAAAAAAKCGAQAAAAAAAAAAAAAAAAAMAAAAAQAAAAAAAAAAAAAAAAAAAB8AAABUAAAAAAAABQAAAAEAAAAAAAAAAAAAAAAAAAAAAAAAAAAAAAAAAAAAAAAAAAAAAAJ/f38AAAAAA8zMzADAwP8Af39/AAAAAAAAAAAAAAAAAAAAAAAAAAAAIQAAABgAAAAUAAAAwTUAABsnAABARwAAWSkAABAAAAAmAAAACAAAAAAAAAAAAAAAMAAAABQAAAAAAAAAAAD//wAAAQAAAP//AAABAA=="/>
+                <pr:smNativeData xmlns:pr="smNativeData" xmlns="smNativeData" val="SMDATA_16_yvWgZxMAAAAlAAAAZAAAAA8BAAAAkAAAAEgAAACQAAAASAAAAAAAAAABAAAAAAAAAAEAAABQAAAAAAAAAAAA4D8AAAAAAADgPwAAAAAAAOA/AAAAAAAA4D8AAAAAAADgPwAAAAAAAOA/AAAAAAAA4D8AAAAAAADgPwAAAAAAAOA/AAAAAAAA4D8CAAAAjAAAAAAAAAAAAAAAu+DjDP///wgAAAAAAAAAAAAAAAAAAAAAAAAAAAAAAAAAAAAAZAAAAAEAAABAAAAAAAAAAAAAAAAAAAAAAAAAAAAAAAAAAAAAAAAAAAAAAAAAAAAAAAAAAAAAAAAAAAAAAAAAAAAAAAAAAAAAAAAAAAAAAAAAAAAAAAAAAAAAAAAAAAAAFAAAADwAAAAAAAAAAAAAAAAAAAkUAAAAAQAAABQAAAAUAAAAFAAAAAEAAAAAAAAAZAAAAGQAAAAAAAAAZAAAAGQAAAAVAAAAYAAAAAAAAAAAAAAADwAAACADAAAAAAAAAAAAAAEAAACgMgAAVgcAAKr4//8BAAAAf39/AAEAAABkAAAAAAAAABQAAABAHwAAAAAAACYAAAAAAAAAwOD//wAAAAAmAAAAZAAAABYAAABMAAAAAAAAAAAAAAAEAAAAAAAAAAEAAACAgIAKAAAAACgAAAAoAAAAZAAAAGQAAAAAAAAAzMzMAAAAAABQAAAAUAAAAGQAAABkAAAAAAAAABcAAAAUAAAAAAAAAAAAAAD/fwAA/38AAAAAAAAJAAAABAAAAAAAAAAeAAAAaAAAAAAAAAAAAAAAAAAAAAAAAAAAAAAAECcAABAnAAAAAAAAAAAAAAAAAAAAAAAAAAAAAAAAAAAAAAAAAAAAABQAAAAAAAAAwMD/AAAAAABkAAAAMgAAAAAAAABkAAAAAAAAAH9/fwAKAAAAIgAAABgAAAAAAAAAAAAAAAAAAAAAAAAAAAAAAAAAAAAkAAAAJAAAAAAAAAAHAAAAAAAAAAAAAAAAAAAAAAAAAAAAAAAAAAAAf39/ACUAAABYAAAAAAAAAAAAAAAAAAAAAAAAAAAAAAAAAAAAAAAAAAAAAAAAAAAAAAAAAAAAAAA/AAAAAAAAAKCGAQAAAAAAAAAAAAAAAAAMAAAAAQAAAAAAAAAAAAAAAAAAAB8AAABUAAAAAAAABQAAAAEAAAAAAAAAAAAAAAAAAAAAAAAAAAAAAAAAAAAAAAAAAAAAAAJ/f38AAAAAA8zMzADAwP8Af39/AAAAAAAAAAAAAAAAAAAAAAAAAAAAIQAAABgAAAAUAAAAwTUAABsnAABARwAAWSkAABAAAAAmAAAACAAAAAAAAAAAAAAAMAAAABQAAAAAAAAAAAD//wAAAQAAAP//AAABAA=="/>
               </a:ext>
             </a:extLst>
           </p:cNvSpPr>
@@ -970,7 +970,7 @@
           <a:lstStyle/>
           <a:p>
             <a:pPr/>
-            <a:fld id="{3FC4B8B1-FFD2-914E-9C7C-091BF6326A5C}" type="slidenum">
+            <a:fld id="{3D143BE2-ACD0-41CD-9EAC-5A9875E2680F}" type="slidenum">
               <a:t/>
             </a:fld>
           </a:p>
@@ -1009,7 +1009,7 @@
             <a:spLocks noGrp="1" noChangeArrowheads="1"/>
             <a:extLst>
               <a:ext uri="smNativeData">
-                <pr:smNativeData xmlns:pr="smNativeData" xmlns="smNativeData" val="SMDATA_16_zLafZxMAAAAlAAAAZAAAAA8BAAAAkAAAAEgAAACQAAAASAAAAAAAAAAAAAAAAAAAAAEAAABQAAAAAAAAAAAA4D8AAAAAAADgPwAAAAAAAOA/AAAAAAAA4D8AAAAAAADgPwAAAAAAAOA/AAAAAAAA4D8AAAAAAADgPwAAAAAAAOA/AAAAAAAA4D8CAAAAjAAAAAAAAAAAAAAAu+DjDP///wgAAAAAAAAAAAAAAAAAAAAAAAAAAAAAAAAAAAAAZAAAAAEAAABAAAAAAAAAAAAAAAAAAAAAAAAAAAAAAAAAAAAAAAAAAAAAAAAAAAAAAAAAAAAAAAAAAAAAAAAAAAAAAAAAAAAAAAAAAAAAAAAAAAAAAAAAAAAAAAAAAAAAFAAAADwAAAAAAAAAAAAAAAAAAAkUAAAAAQAAABQAAAAUAAAAFAAAAAEAAAAAAAAAZAAAAGQAAAAAAAAAZAAAAGQAAAAVAAAAYAAAAAAAAAAAAAAADwAAACADAAAAAAAAAAAAAAEAAACgMgAAVgcAAKr4//8BAAAAf39/AAEAAABkAAAAAAAAABQAAABAHwAAAAAAACYAAAAAAAAAwOD//wAAAAAmAAAAZAAAABYAAABMAAAAAAAAAAAAAAAEAAAAAAAAAAEAAACAgIAKAAAAACgAAAAoAAAAZAAAAGQAAAAAAAAAzMzMAAAAAABQAAAAUAAAAGQAAABkAAAAAAAAABcAAAAUAAAAAAAAAAAAAAD/fwAA/38AAAAAAAAJAAAABAAAANw7IAEeAAAAaAAAAAAAAAAAAAAAAAAAAAAAAAAAAAAAECcAABAnAAAAAAAAAAAAAAAAAAAAAAAAAAAAAAAAAAAAAAAAAAAAABQAAAAAAAAAwMD/AAAAAABkAAAAMgAAAAAAAABkAAAAAAAAAH9/fwAKAAAAIgAAABgAAAAAAAAAAAAAAAAAAAAAAAAAAAAAAAAAAAAkAAAAJAAAAAAAAAAHAAAAAAAAAAAAAAAAAAAAAAAAAAAAAAAAAAAAf39/ACUAAABYAAAAAAAAAAAAAAAAAAAAAAAAAAAAAAAAAAAAAAAAAAAAAAAAAAAAAAAAAAAAAAA/AAAAAAAAAKCGAQAAAAAAAAAAAAAAAAAMAAAAAQAAAAAAAAAAAAAAAAAAAB8AAABUAAAAAAAABQAAAAEAAAAAAAAAAAAAAAAAAAAAAAAAAAAAAAAAAAAAAAAAAAAAAAJ/f38AAAAAA8zMzADAwP8Af39/AAAAAAAAAAAAAAAAAAAAAAAAAAAAIQAAABgAAAAUAAAA7QUAABwbAACtRQAAfSMAABAAAAAmAAAACAAAAIGAAAAAAAAAMAAAABQAAAAAAAAAAAD//wAAAQAAAP//AAABAA=="/>
+                <pr:smNativeData xmlns:pr="smNativeData" xmlns="smNativeData" val="SMDATA_16_yvWgZxMAAAAlAAAAZAAAAA8BAAAAkAAAAEgAAACQAAAASAAAAAAAAAAAAAAAAAAAAAEAAABQAAAAAAAAAAAA4D8AAAAAAADgPwAAAAAAAOA/AAAAAAAA4D8AAAAAAADgPwAAAAAAAOA/AAAAAAAA4D8AAAAAAADgPwAAAAAAAOA/AAAAAAAA4D8CAAAAjAAAAAAAAAAAAAAAu+DjDP///wgAAAAAAAAAAAAAAAAAAAAAAAAAAAAAAAAAAAAAZAAAAAEAAABAAAAAAAAAAAAAAAAAAAAAAAAAAAAAAAAAAAAAAAAAAAAAAAAAAAAAAAAAAAAAAAAAAAAAAAAAAAAAAAAAAAAAAAAAAAAAAAAAAAAAAAAAAAAAAAAAAAAAFAAAADwAAAAAAAAAAAAAAAAAAAkUAAAAAQAAABQAAAAUAAAAFAAAAAEAAAAAAAAAZAAAAGQAAAAAAAAAZAAAAGQAAAAVAAAAYAAAAAAAAAAAAAAADwAAACADAAAAAAAAAAAAAAEAAACgMgAAVgcAAKr4//8BAAAAf39/AAEAAABkAAAAAAAAABQAAABAHwAAAAAAACYAAAAAAAAAwOD//wAAAAAmAAAAZAAAABYAAABMAAAAAAAAAAAAAAAEAAAAAAAAAAEAAACAgIAKAAAAACgAAAAoAAAAZAAAAGQAAAAAAAAAzMzMAAAAAABQAAAAUAAAAGQAAABkAAAAAAAAABcAAAAUAAAAAAAAAAAAAAD/fwAA/38AAAAAAAAJAAAABAAAANw7IAEeAAAAaAAAAAAAAAAAAAAAAAAAAAAAAAAAAAAAECcAABAnAAAAAAAAAAAAAAAAAAAAAAAAAAAAAAAAAAAAAAAAAAAAABQAAAAAAAAAwMD/AAAAAABkAAAAMgAAAAAAAABkAAAAAAAAAH9/fwAKAAAAIgAAABgAAAAAAAAAAAAAAAAAAAAAAAAAAAAAAAAAAAAkAAAAJAAAAAAAAAAHAAAAAAAAAAAAAAAAAAAAAAAAAAAAAAAAAAAAf39/ACUAAABYAAAAAAAAAAAAAAAAAAAAAAAAAAAAAAAAAAAAAAAAAAAAAAAAAAAAAAAAAAAAAAA/AAAAAAAAAKCGAQAAAAAAAAAAAAAAAAAMAAAAAQAAAAAAAAAAAAAAAAAAAB8AAABUAAAAAAAABQAAAAEAAAAAAAAAAAAAAAAAAAAAAAAAAAAAAAAAAAAAAAAAAAAAAAJ/f38AAAAAA8zMzADAwP8Af39/AAAAAAAAAAAAAAAAAAAAAAAAAAAAIQAAABgAAAAUAAAA7QUAABwbAACtRQAAfSMAABAAAAAmAAAACAAAAIGAAAAAAAAAMAAAABQAAAAAAAAAAAD//wAAAQAAAP//AAABAA=="/>
               </a:ext>
             </a:extLst>
           </p:cNvSpPr>
@@ -1049,7 +1049,7 @@
             <a:spLocks noGrp="1" noChangeArrowheads="1"/>
             <a:extLst>
               <a:ext uri="smNativeData">
-                <pr:smNativeData xmlns:pr="smNativeData" xmlns="smNativeData" val="SMDATA_16_zLafZxMAAAAlAAAAZAAAAA8BAAAAkAAAAEgAAACQAAAASAAAAAAAAAACAAAAAAAAAAEAAABQAAAAAAAAAAAA4D8AAAAAAADgPwAAAAAAAOA/AAAAAAAA4D8AAAAAAADgPwAAAAAAAOA/AAAAAAAA4D8AAAAAAADgPwAAAAAAAOA/AAAAAAAA4D8CAAAAjAAAAAAAAAAAAAAAu+DjDP///wgAAAAAAAAAAAAAAAAAAAAAAAAAAAAAAAAAAAAAZAAAAAEAAABAAAAAAAAAAAAAAAAAAAAAAAAAAAAAAAAAAAAAAAAAAAAAAAAAAAAAAAAAAAAAAAAAAAAAAAAAAAAAAAAAAAAAAAAAAAAAAAAAAAAAAAAAAAAAAAAAAAAAFAAAADwAAAAAAAAAAAAAAAAAAAkUAAAAAQAAABQAAAAUAAAAFAAAAAEAAAAAAAAAZAAAAGQAAAAAAAAAZAAAAGQAAAAVAAAAYAAAAAAAAAAAAAAADwAAACADAAAAAAAAAAAAAAEAAACgMgAAVgcAAKr4//8BAAAAf39/AAEAAABkAAAAAAAAABQAAABAHwAAAAAAACYAAAAAAAAAwOD//wAAAAAmAAAAZAAAABYAAABMAAAAAAAAAAAAAAAEAAAAAAAAAAEAAACAgIAKAAAAACgAAAAoAAAAZAAAAGQAAAAAAAAAzMzMAAAAAABQAAAAUAAAAGQAAABkAAAAAAAAABcAAAAUAAAAAAAAAAAAAAD/fwAA/38AAAAAAAAJAAAABAAAANw7IAEeAAAAaAAAAAAAAAAAAAAAAAAAAAAAAAAAAAAAECcAABAnAAAAAAAAAAAAAAAAAAAAAAAAAAAAAAAAAAAAAAAAAAAAABQAAAAAAAAAwMD/AAAAAABkAAAAMgAAAAAAAABkAAAAAAAAAH9/fwAKAAAAIgAAABgAAAAAAAAAAAAAAAAAAAAAAAAAAAAAAAAAAAAkAAAAJAAAAAAAAAAHAAAAAAAAAAAAAAAAAAAAAAAAAAAAAAAAAAAAf39/ACUAAABYAAAAAAAAAAAAAAAAAAAAAAAAAAAAAAAAAAAAAAAAAAAAAAAAAAAAAAAAAAAAAAA/AAAAAAAAAKCGAQAAAAAAAAAAAAAAAAAMAAAAAQAAAAAAAAAAAAAAAAAAAB8AAABUAAAAAAAABQAAAAEAAAAAAAAAAAAAAAAAAAAAAAAAAAAAAAAAAAAAAAAAAAAAAAJ/f38AAAAAA8zMzADAwP8Af39/AAAAAAAAAAAAAAAAAAAAAAAAAAAAIQAAABgAAAAUAAAA7QUAAOERAACtRQAAHBsAABAAAAAmAAAACAAAAIGAAAAAAAAAMAAAABQAAAAAAAAAAAD//wAAAQAAAP//AAABAA=="/>
+                <pr:smNativeData xmlns:pr="smNativeData" xmlns="smNativeData" val="SMDATA_16_yvWgZxMAAAAlAAAAZAAAAA8BAAAAkAAAAEgAAACQAAAASAAAAAAAAAACAAAAAAAAAAEAAABQAAAAAAAAAAAA4D8AAAAAAADgPwAAAAAAAOA/AAAAAAAA4D8AAAAAAADgPwAAAAAAAOA/AAAAAAAA4D8AAAAAAADgPwAAAAAAAOA/AAAAAAAA4D8CAAAAjAAAAAAAAAAAAAAAu+DjDP///wgAAAAAAAAAAAAAAAAAAAAAAAAAAAAAAAAAAAAAZAAAAAEAAABAAAAAAAAAAAAAAAAAAAAAAAAAAAAAAAAAAAAAAAAAAAAAAAAAAAAAAAAAAAAAAAAAAAAAAAAAAAAAAAAAAAAAAAAAAAAAAAAAAAAAAAAAAAAAAAAAAAAAFAAAADwAAAAAAAAAAAAAAAAAAAkUAAAAAQAAABQAAAAUAAAAFAAAAAEAAAAAAAAAZAAAAGQAAAAAAAAAZAAAAGQAAAAVAAAAYAAAAAAAAAAAAAAADwAAACADAAAAAAAAAAAAAAEAAACgMgAAVgcAAKr4//8BAAAAf39/AAEAAABkAAAAAAAAABQAAABAHwAAAAAAACYAAAAAAAAAwOD//wAAAAAmAAAAZAAAABYAAABMAAAAAAAAAAAAAAAEAAAAAAAAAAEAAACAgIAKAAAAACgAAAAoAAAAZAAAAGQAAAAAAAAAzMzMAAAAAABQAAAAUAAAAGQAAABkAAAAAAAAABcAAAAUAAAAAAAAAAAAAAD/fwAA/38AAAAAAAAJAAAABAAAANw7IAEeAAAAaAAAAAAAAAAAAAAAAAAAAAAAAAAAAAAAECcAABAnAAAAAAAAAAAAAAAAAAAAAAAAAAAAAAAAAAAAAAAAAAAAABQAAAAAAAAAwMD/AAAAAABkAAAAMgAAAAAAAABkAAAAAAAAAH9/fwAKAAAAIgAAABgAAAAAAAAAAAAAAAAAAAAAAAAAAAAAAAAAAAAkAAAAJAAAAAAAAAAHAAAAAAAAAAAAAAAAAAAAAAAAAAAAAAAAAAAAf39/ACUAAABYAAAAAAAAAAAAAAAAAAAAAAAAAAAAAAAAAAAAAAAAAAAAAAAAAAAAAAAAAAAAAAA/AAAAAAAAAKCGAQAAAAAAAAAAAAAAAAAMAAAAAQAAAAAAAAAAAAAAAAAAAB8AAABUAAAAAAAABQAAAAEAAAAAAAAAAAAAAAAAAAAAAAAAAAAAAAAAAAAAAAAAAAAAAAJ/f38AAAAAA8zMzADAwP8Af39/AAAAAAAAAAAAAAAAAAAAAAAAAAAAIQAAABgAAAAUAAAA7QUAAOERAACtRQAAHBsAABAAAAAmAAAACAAAAIGAAAAAAAAAMAAAABQAAAAAAAAAAAD//wAAAQAAAP//AAABAA=="/>
               </a:ext>
             </a:extLst>
           </p:cNvSpPr>
@@ -1122,7 +1122,7 @@
             <a:spLocks noGrp="1" noChangeArrowheads="1"/>
             <a:extLst>
               <a:ext uri="smNativeData">
-                <pr:smNativeData xmlns:pr="smNativeData" xmlns="smNativeData" val="SMDATA_16_zLafZxMAAAAlAAAAZAAAAA8BAAAAkAAAAEgAAACQAAAASAAAAAAAAAABAAAAAAAAAAEAAABQAAAAAAAAAAAA4D8AAAAAAADgPwAAAAAAAOA/AAAAAAAA4D8AAAAAAADgPwAAAAAAAOA/AAAAAAAA4D8AAAAAAADgPwAAAAAAAOA/AAAAAAAA4D8CAAAAjAAAAAAAAAAAAAAAu+DjDP///wgAAAAAAAAAAAAAAAAAAAAAAAAAAAAAAAAAAAAAZAAAAAEAAABAAAAAAAAAAAAAAAAAAAAAAAAAAAAAAAAAAAAAAAAAAAAAAAAAAAAAAAAAAAAAAAAAAAAAAAAAAAAAAAAAAAAAAAAAAAAAAAAAAAAAAAAAAAAAAAAAAAAAFAAAADwAAAAAAAAAAAAAAAAAAAkUAAAAAQAAABQAAAAUAAAAFAAAAAEAAAAAAAAAZAAAAGQAAAAAAAAAZAAAAGQAAAAVAAAAYAAAAAAAAAAAAAAADwAAACADAAAAAAAAAAAAAAEAAACgMgAAVgcAAKr4//8BAAAAf39/AAEAAABkAAAAAAAAABQAAABAHwAAAAAAACYAAAAAAAAAwOD//wAAAAAmAAAAZAAAABYAAABMAAAAAAAAAAAAAAAEAAAAAAAAAAEAAACAgIAKAAAAACgAAAAoAAAAZAAAAGQAAAAAAAAAzMzMAAAAAABQAAAAUAAAAGQAAABkAAAAAAAAABcAAAAUAAAAAAAAAAAAAAD/fwAA/38AAAAAAAAJAAAABAAAAAAAAAAeAAAAaAAAAAAAAAAAAAAAAAAAAAAAAAAAAAAAECcAABAnAAAAAAAAAAAAAAAAAAAAAAAAAAAAAAAAAAAAAAAAAAAAABQAAAAAAAAAwMD/AAAAAABkAAAAMgAAAAAAAABkAAAAAAAAAH9/fwAKAAAAIgAAABgAAAAAAAAAAAAAAAAAAAAAAAAAAAAAAAAAAAAkAAAAJAAAAAAAAAAHAAAAAAAAAAAAAAAAAAAAAAAAAAAAAAAAAAAAf39/ACUAAABYAAAAAAAAAAAAAAAAAAAAAAAAAAAAAAAAAAAAAAAAAAAAAAAAAAAAAAAAAAAAAAA/AAAAAAAAAKCGAQAAAAAAAAAAAAAAAAAMAAAAAQAAAAAAAAAAAAAAAAAAAB8AAABUAAAAAAAABQAAAAEAAAAAAAAAAAAAAAAAAAAAAAAAAAAAAAAAAAAAAAAAAAAAAAJ/f38AAAAAA8zMzADAwP8Af39/AAAAAAAAAAAAAAAAAAAAAAAAAAAAIQAAABgAAAAUAAAAwAMAABsnAAA/FQAAWSkAABAAAAAmAAAACAAAAAAAAAAAAAAAMAAAABQAAAAAAAAAAAD//wAAAQAAAP//AAABAA=="/>
+                <pr:smNativeData xmlns:pr="smNativeData" xmlns="smNativeData" val="SMDATA_16_yvWgZxMAAAAlAAAAZAAAAA8BAAAAkAAAAEgAAACQAAAASAAAAAAAAAABAAAAAAAAAAEAAABQAAAAAAAAAAAA4D8AAAAAAADgPwAAAAAAAOA/AAAAAAAA4D8AAAAAAADgPwAAAAAAAOA/AAAAAAAA4D8AAAAAAADgPwAAAAAAAOA/AAAAAAAA4D8CAAAAjAAAAAAAAAAAAAAAu+DjDP///wgAAAAAAAAAAAAAAAAAAAAAAAAAAAAAAAAAAAAAZAAAAAEAAABAAAAAAAAAAAAAAAAAAAAAAAAAAAAAAAAAAAAAAAAAAAAAAAAAAAAAAAAAAAAAAAAAAAAAAAAAAAAAAAAAAAAAAAAAAAAAAAAAAAAAAAAAAAAAAAAAAAAAFAAAADwAAAAAAAAAAAAAAAAAAAkUAAAAAQAAABQAAAAUAAAAFAAAAAEAAAAAAAAAZAAAAGQAAAAAAAAAZAAAAGQAAAAVAAAAYAAAAAAAAAAAAAAADwAAACADAAAAAAAAAAAAAAEAAACgMgAAVgcAAKr4//8BAAAAf39/AAEAAABkAAAAAAAAABQAAABAHwAAAAAAACYAAAAAAAAAwOD//wAAAAAmAAAAZAAAABYAAABMAAAAAAAAAAAAAAAEAAAAAAAAAAEAAACAgIAKAAAAACgAAAAoAAAAZAAAAGQAAAAAAAAAzMzMAAAAAABQAAAAUAAAAGQAAABkAAAAAAAAABcAAAAUAAAAAAAAAAAAAAD/fwAA/38AAAAAAAAJAAAABAAAAAAAAAAeAAAAaAAAAAAAAAAAAAAAAAAAAAAAAAAAAAAAECcAABAnAAAAAAAAAAAAAAAAAAAAAAAAAAAAAAAAAAAAAAAAAAAAABQAAAAAAAAAwMD/AAAAAABkAAAAMgAAAAAAAABkAAAAAAAAAH9/fwAKAAAAIgAAABgAAAAAAAAAAAAAAAAAAAAAAAAAAAAAAAAAAAAkAAAAJAAAAAAAAAAHAAAAAAAAAAAAAAAAAAAAAAAAAAAAAAAAAAAAf39/ACUAAABYAAAAAAAAAAAAAAAAAAAAAAAAAAAAAAAAAAAAAAAAAAAAAAAAAAAAAAAAAAAAAAA/AAAAAAAAAKCGAQAAAAAAAAAAAAAAAAAMAAAAAQAAAAAAAAAAAAAAAAAAAB8AAABUAAAAAAAABQAAAAEAAAAAAAAAAAAAAAAAAAAAAAAAAAAAAAAAAAAAAAAAAAAAAAJ/f38AAAAAA8zMzADAwP8Af39/AAAAAAAAAAAAAAAAAAAAAAAAAAAAIQAAABgAAAAUAAAAwAMAABsnAAA/FQAAWSkAABAAAAAmAAAACAAAAAAAAAAAAAAAMAAAABQAAAAAAAAAAAD//wAAAQAAAP//AAABAA=="/>
               </a:ext>
             </a:extLst>
           </p:cNvSpPr>
@@ -1136,7 +1136,7 @@
           <a:lstStyle/>
           <a:p>
             <a:pPr/>
-            <a:fld id="{3FC4949A-D4D2-9162-9C7C-2237DA326A77}" type="datetime1">
+            <a:fld id="{3D143AE0-AED0-41CC-9EAC-589974E2680D}" type="datetime1">
               <a:t/>
             </a:fld>
           </a:p>
@@ -1149,7 +1149,7 @@
             <a:spLocks noGrp="1" noChangeArrowheads="1"/>
             <a:extLst>
               <a:ext uri="smNativeData">
-                <pr:smNativeData xmlns:pr="smNativeData" xmlns="smNativeData" val="SMDATA_16_zLafZxMAAAAlAAAAZAAAAA8BAAAAkAAAAEgAAACQAAAASAAAAAAAAAABAAAAAAAAAAEAAABQAAAAAAAAAAAA4D8AAAAAAADgPwAAAAAAAOA/AAAAAAAA4D8AAAAAAADgPwAAAAAAAOA/AAAAAAAA4D8AAAAAAADgPwAAAAAAAOA/AAAAAAAA4D8CAAAAjAAAAAAAAAAAAAAAu+DjDP///wgAAAAAAAAAAAAAAAAAAAAAAAAAAAAAAAAAAAAAZAAAAAEAAABAAAAAAAAAAAAAAAAAAAAAAAAAAAAAAAAAAAAAAAAAAAAAAAAAAAAAAAAAAAAAAAAAAAAAAAAAAAAAAAAAAAAAAAAAAAAAAAAAAAAAAAAAAAAAAAAAAAAAFAAAADwAAAAAAAAAAAAAAAAAAAkUAAAAAQAAABQAAAAUAAAAFAAAAAEAAAAAAAAAZAAAAGQAAAAAAAAAZAAAAGQAAAAVAAAAYAAAAAAAAAAAAAAADwAAACADAAAAAAAAAAAAAAEAAACgMgAAVgcAAKr4//8BAAAAf39/AAEAAABkAAAAAAAAABQAAABAHwAAAAAAACYAAAAAAAAAwOD//wAAAAAmAAAAZAAAABYAAABMAAAAAAAAAAAAAAAEAAAAAAAAAAEAAACAgIAKAAAAACgAAAAoAAAAZAAAAGQAAAAAAAAAzMzMAAAAAABQAAAAUAAAAGQAAABkAAAAAAAAABcAAAAUAAAAAAAAAAAAAAD/fwAA/38AAAAAAAAJAAAABAAAANw7IAEeAAAAaAAAAAAAAAAAAAAAAAAAAAAAAAAAAAAAECcAABAnAAAAAAAAAAAAAAAAAAAAAAAAAAAAAAAAAAAAAAAAAAAAABQAAAAAAAAAwMD/AAAAAABkAAAAMgAAAAAAAABkAAAAAAAAAH9/fwAKAAAAIgAAABgAAAAAAAAAAAAAAAAAAAAAAAAAAAAAAAAAAAAkAAAAJAAAAAAAAAAHAAAAAAAAAAAAAAAAAAAAAAAAAAAAAAAAAAAAf39/ACUAAABYAAAAAAAAAAAAAAAAAAAAAAAAAAAAAAAAAAAAAAAAAAAAAAAAAAAAAAAAAAAAAAA/AAAAAAAAAKCGAQAAAAAAAAAAAAAAAAAMAAAAAQAAAAAAAAAAAAAAAAAAAB8AAABUAAAAAAAABQAAAAEAAAAAAAAAAAAAAAAAAAAAAAAAAAAAAAAAAAAAAAAAAAAAAAJ/f38AAAAAA8zMzADAwP8Af39/AAAAAAAAAAAAAAAAAAAAAAAAAAAAIQAAABgAAAAUAAAAoRkAABsnAABfMQAAWSkAABAAAAAmAAAACAAAAAAAAAAAAAAAMAAAABQAAAAAAAAAAAD//wAAAQAAAP//AAABAA=="/>
+                <pr:smNativeData xmlns:pr="smNativeData" xmlns="smNativeData" val="SMDATA_16_yvWgZxMAAAAlAAAAZAAAAA8BAAAAkAAAAEgAAACQAAAASAAAAAAAAAABAAAAAAAAAAEAAABQAAAAAAAAAAAA4D8AAAAAAADgPwAAAAAAAOA/AAAAAAAA4D8AAAAAAADgPwAAAAAAAOA/AAAAAAAA4D8AAAAAAADgPwAAAAAAAOA/AAAAAAAA4D8CAAAAjAAAAAAAAAAAAAAAu+DjDP///wgAAAAAAAAAAAAAAAAAAAAAAAAAAAAAAAAAAAAAZAAAAAEAAABAAAAAAAAAAAAAAAAAAAAAAAAAAAAAAAAAAAAAAAAAAAAAAAAAAAAAAAAAAAAAAAAAAAAAAAAAAAAAAAAAAAAAAAAAAAAAAAAAAAAAAAAAAAAAAAAAAAAAFAAAADwAAAAAAAAAAAAAAAAAAAkUAAAAAQAAABQAAAAUAAAAFAAAAAEAAAAAAAAAZAAAAGQAAAAAAAAAZAAAAGQAAAAVAAAAYAAAAAAAAAAAAAAADwAAACADAAAAAAAAAAAAAAEAAACgMgAAVgcAAKr4//8BAAAAf39/AAEAAABkAAAAAAAAABQAAABAHwAAAAAAACYAAAAAAAAAwOD//wAAAAAmAAAAZAAAABYAAABMAAAAAAAAAAAAAAAEAAAAAAAAAAEAAACAgIAKAAAAACgAAAAoAAAAZAAAAGQAAAAAAAAAzMzMAAAAAABQAAAAUAAAAGQAAABkAAAAAAAAABcAAAAUAAAAAAAAAAAAAAD/fwAA/38AAAAAAAAJAAAABAAAANw7IAEeAAAAaAAAAAAAAAAAAAAAAAAAAAAAAAAAAAAAECcAABAnAAAAAAAAAAAAAAAAAAAAAAAAAAAAAAAAAAAAAAAAAAAAABQAAAAAAAAAwMD/AAAAAABkAAAAMgAAAAAAAABkAAAAAAAAAH9/fwAKAAAAIgAAABgAAAAAAAAAAAAAAAAAAAAAAAAAAAAAAAAAAAAkAAAAJAAAAAAAAAAHAAAAAAAAAAAAAAAAAAAAAAAAAAAAAAAAAAAAf39/ACUAAABYAAAAAAAAAAAAAAAAAAAAAAAAAAAAAAAAAAAAAAAAAAAAAAAAAAAAAAAAAAAAAAA/AAAAAAAAAKCGAQAAAAAAAAAAAAAAAAAMAAAAAQAAAAAAAAAAAAAAAAAAAB8AAABUAAAAAAAABQAAAAEAAAAAAAAAAAAAAAAAAAAAAAAAAAAAAAAAAAAAAAAAAAAAAAJ/f38AAAAAA8zMzADAwP8Af39/AAAAAAAAAAAAAAAAAAAAAAAAAAAAIQAAABgAAAAUAAAAoRkAABsnAABfMQAAWSkAABAAAAAmAAAACAAAAAAAAAAAAAAAMAAAABQAAAAAAAAAAAD//wAAAQAAAP//AAABAA=="/>
               </a:ext>
             </a:extLst>
           </p:cNvSpPr>
@@ -1173,7 +1173,7 @@
             <a:spLocks noGrp="1" noChangeArrowheads="1"/>
             <a:extLst>
               <a:ext uri="smNativeData">
-                <pr:smNativeData xmlns:pr="smNativeData" xmlns="smNativeData" val="SMDATA_16_zLafZxMAAAAlAAAAZAAAAA8BAAAAkAAAAEgAAACQAAAASAAAAAAAAAABAAAAAAAAAAEAAABQAAAAAAAAAAAA4D8AAAAAAADgPwAAAAAAAOA/AAAAAAAA4D8AAAAAAADgPwAAAAAAAOA/AAAAAAAA4D8AAAAAAADgPwAAAAAAAOA/AAAAAAAA4D8CAAAAjAAAAAAAAAAAAAAAu+DjDP///wgAAAAAAAAAAAAAAAAAAAAAAAAAAAAAAAAAAAAAZAAAAAEAAABAAAAAAAAAAAAAAAAAAAAAAAAAAAAAAAAAAAAAAAAAAAAAAAAAAAAAAAAAAAAAAAAAAAAAAAAAAAAAAAAAAAAAAAAAAAAAAAAAAAAAAAAAAAAAAAAAAAAAFAAAADwAAAAAAAAAAAAAAAAAAAkUAAAAAQAAABQAAAAUAAAAFAAAAAEAAAAAAAAAZAAAAGQAAAAAAAAAZAAAAGQAAAAVAAAAYAAAAAAAAAAAAAAADwAAACADAAAAAAAAAAAAAAEAAACgMgAAVgcAAKr4//8BAAAAf39/AAEAAABkAAAAAAAAABQAAABAHwAAAAAAACYAAAAAAAAAwOD//wAAAAAmAAAAZAAAABYAAABMAAAAAAAAAAAAAAAEAAAAAAAAAAEAAACAgIAKAAAAACgAAAAoAAAAZAAAAGQAAAAAAAAAzMzMAAAAAABQAAAAUAAAAGQAAABkAAAAAAAAABcAAAAUAAAAAAAAAAAAAAD/fwAA/38AAAAAAAAJAAAABAAAANw7IAEeAAAAaAAAAAAAAAAAAAAAAAAAAAAAAAAAAAAAECcAABAnAAAAAAAAAAAAAAAAAAAAAAAAAAAAAAAAAAAAAAAAAAAAABQAAAAAAAAAwMD/AAAAAABkAAAAMgAAAAAAAABkAAAAAAAAAH9/fwAKAAAAIgAAABgAAAAAAAAAAAAAAAAAAAAAAAAAAAAAAAAAAAAkAAAAJAAAAAAAAAAHAAAAAAAAAAAAAAAAAAAAAAAAAAAAAAAAAAAAf39/ACUAAABYAAAAAAAAAAAAAAAAAAAAAAAAAAAAAAAAAAAAAAAAAAAAAAAAAAAAAAAAAAAAAAA/AAAAAAAAAKCGAQAAAAAAAAAAAAAAAAAMAAAAAQAAAAAAAAAAAAAAAAAAAB8AAABUAAAAAAAABQAAAAEAAAAAAAAAAAAAAAAAAAAAAAAAAAAAAAAAAAAAAAAAAAAAAAJ/f38AAAAAA8zMzADAwP8Af39/AAAAAAAAAAAAAAAAAAAAAAAAAAAAIQAAABgAAAAUAAAAwTUAABsnAABARwAAWSkAABAAAAAmAAAACAAAAAAAAAAAAAAAMAAAABQAAAAAAAAAAAD//wAAAQAAAP//AAABAA=="/>
+                <pr:smNativeData xmlns:pr="smNativeData" xmlns="smNativeData" val="SMDATA_16_yvWgZxMAAAAlAAAAZAAAAA8BAAAAkAAAAEgAAACQAAAASAAAAAAAAAABAAAAAAAAAAEAAABQAAAAAAAAAAAA4D8AAAAAAADgPwAAAAAAAOA/AAAAAAAA4D8AAAAAAADgPwAAAAAAAOA/AAAAAAAA4D8AAAAAAADgPwAAAAAAAOA/AAAAAAAA4D8CAAAAjAAAAAAAAAAAAAAAu+DjDP///wgAAAAAAAAAAAAAAAAAAAAAAAAAAAAAAAAAAAAAZAAAAAEAAABAAAAAAAAAAAAAAAAAAAAAAAAAAAAAAAAAAAAAAAAAAAAAAAAAAAAAAAAAAAAAAAAAAAAAAAAAAAAAAAAAAAAAAAAAAAAAAAAAAAAAAAAAAAAAAAAAAAAAFAAAADwAAAAAAAAAAAAAAAAAAAkUAAAAAQAAABQAAAAUAAAAFAAAAAEAAAAAAAAAZAAAAGQAAAAAAAAAZAAAAGQAAAAVAAAAYAAAAAAAAAAAAAAADwAAACADAAAAAAAAAAAAAAEAAACgMgAAVgcAAKr4//8BAAAAf39/AAEAAABkAAAAAAAAABQAAABAHwAAAAAAACYAAAAAAAAAwOD//wAAAAAmAAAAZAAAABYAAABMAAAAAAAAAAAAAAAEAAAAAAAAAAEAAACAgIAKAAAAACgAAAAoAAAAZAAAAGQAAAAAAAAAzMzMAAAAAABQAAAAUAAAAGQAAABkAAAAAAAAABcAAAAUAAAAAAAAAAAAAAD/fwAA/38AAAAAAAAJAAAABAAAANw7IAEeAAAAaAAAAAAAAAAAAAAAAAAAAAAAAAAAAAAAECcAABAnAAAAAAAAAAAAAAAAAAAAAAAAAAAAAAAAAAAAAAAAAAAAABQAAAAAAAAAwMD/AAAAAABkAAAAMgAAAAAAAABkAAAAAAAAAH9/fwAKAAAAIgAAABgAAAAAAAAAAAAAAAAAAAAAAAAAAAAAAAAAAAAkAAAAJAAAAAAAAAAHAAAAAAAAAAAAAAAAAAAAAAAAAAAAAAAAAAAAf39/ACUAAABYAAAAAAAAAAAAAAAAAAAAAAAAAAAAAAAAAAAAAAAAAAAAAAAAAAAAAAAAAAAAAAA/AAAAAAAAAKCGAQAAAAAAAAAAAAAAAAAMAAAAAQAAAAAAAAAAAAAAAAAAAB8AAABUAAAAAAAABQAAAAEAAAAAAAAAAAAAAAAAAAAAAAAAAAAAAAAAAAAAAAAAAAAAAAJ/f38AAAAAA8zMzADAwP8Af39/AAAAAAAAAAAAAAAAAAAAAAAAAAAAIQAAABgAAAAUAAAAwTUAABsnAABARwAAWSkAABAAAAAmAAAACAAAAAAAAAAAAAAAMAAAABQAAAAAAAAAAAD//wAAAQAAAP//AAABAA=="/>
               </a:ext>
             </a:extLst>
           </p:cNvSpPr>
@@ -1187,7 +1187,7 @@
           <a:lstStyle/>
           <a:p>
             <a:pPr/>
-            <a:fld id="{3FC4D513-5DD2-9123-9C7C-AB769B326AFE}" type="slidenum">
+            <a:fld id="{3D140439-77D0-41F2-9EAC-81A74AE268D4}" type="slidenum">
               <a:t/>
             </a:fld>
           </a:p>
@@ -1226,7 +1226,7 @@
             <a:spLocks noGrp="1" noChangeArrowheads="1"/>
             <a:extLst>
               <a:ext uri="smNativeData">
-                <pr:smNativeData xmlns:pr="smNativeData" xmlns="smNativeData" val="SMDATA_16_zLafZxMAAAAlAAAAZAAAAA8BAAAAkAAAAEgAAACQAAAASAAAAAAAAAABAAAAAAAAAAEAAABQAAAAAAAAAAAA4D8AAAAAAADgPwAAAAAAAOA/AAAAAAAA4D8AAAAAAADgPwAAAAAAAOA/AAAAAAAA4D8AAAAAAADgPwAAAAAAAOA/AAAAAAAA4D8CAAAAjAAAAAAAAAAAAAAAu+DjDP///wgAAAAAAAAAAAAAAAAAAAAAAAAAAAAAAAAAAAAAZAAAAAEAAABAAAAAAAAAAAAAAAAAAAAAAAAAAAAAAAAAAAAAAAAAAAAAAAAAAAAAAAAAAAAAAAAAAAAAAAAAAAAAAAAAAAAAAAAAAAAAAAAAAAAAAAAAAAAAAAAAAAAAFAAAADwAAAAAAAAAAAAAAAAAAAkUAAAAAQAAABQAAAAUAAAAFAAAAAEAAAAAAAAAZAAAAGQAAAAAAAAAZAAAAGQAAAAVAAAAYAAAAAAAAAAAAAAADwAAACADAAAAAAAAAAAAAAEAAACgMgAAVgcAAKr4//8BAAAAf39/AAEAAABkAAAAAAAAABQAAABAHwAAAAAAACYAAAAAAAAAwOD//wAAAAAmAAAAZAAAABYAAABMAAAAAAAAAAAAAAAEAAAAAAAAAAEAAACAgIAKAAAAACgAAAAoAAAAZAAAAGQAAAAAAAAAzMzMAAAAAABQAAAAUAAAAGQAAABkAAAAAAAAABcAAAAUAAAAAAAAAAAAAAD/fwAA/38AAAAAAAAJAAAABAAAANw7IAEeAAAAaAAAAAAAAAAAAAAAAAAAAAAAAAAAAAAAECcAABAnAAAAAAAAAAAAAAAAAAAAAAAAAAAAAAAAAAAAAAAAAAAAABQAAAAAAAAAwMD/AAAAAABkAAAAMgAAAAAAAABkAAAAAAAAAH9/fwAKAAAAIgAAABgAAAAAAAAAAAAAAAAAAAAAAAAAAAAAAAAAAAAkAAAAJAAAAAAAAAAHAAAAAAAAAAAAAAAAAAAAAAAAAAAAAAAAAAAAf39/ACUAAABYAAAAAAAAAAAAAAAAAAAAAAAAAAAAAAAAAAAAAAAAAAAAAAAAAAAAAAAAAAAAAAA/AAAAAAAAAKCGAQAAAAAAAAAAAAAAAAAMAAAAAQAAAAAAAAAAAAAAAAAAAB8AAABUAAAAAAAABQAAAAEAAAAAAAAAAAAAAAAAAAAAAAAAAAAAAAAAAAAAAAAAAAAAAAJ/f38AAAAAA8zMzADAwP8Af39/AAAAAAAAAAAAAAAAAAAAAAAAAAAAIQAAABgAAAAUAAAAwAMAALABAABARwAAuAgAABAAAAAmAAAACAAAAAAAAAAAAAAAMAAAABQAAAAAAAAAAAD//wAAAQAAAP//AAABAA=="/>
+                <pr:smNativeData xmlns:pr="smNativeData" xmlns="smNativeData" val="SMDATA_16_yvWgZxMAAAAlAAAAZAAAAA8BAAAAkAAAAEgAAACQAAAASAAAAAAAAAABAAAAAAAAAAEAAABQAAAAAAAAAAAA4D8AAAAAAADgPwAAAAAAAOA/AAAAAAAA4D8AAAAAAADgPwAAAAAAAOA/AAAAAAAA4D8AAAAAAADgPwAAAAAAAOA/AAAAAAAA4D8CAAAAjAAAAAAAAAAAAAAAu+DjDP///wgAAAAAAAAAAAAAAAAAAAAAAAAAAAAAAAAAAAAAZAAAAAEAAABAAAAAAAAAAAAAAAAAAAAAAAAAAAAAAAAAAAAAAAAAAAAAAAAAAAAAAAAAAAAAAAAAAAAAAAAAAAAAAAAAAAAAAAAAAAAAAAAAAAAAAAAAAAAAAAAAAAAAFAAAADwAAAAAAAAAAAAAAAAAAAkUAAAAAQAAABQAAAAUAAAAFAAAAAEAAAAAAAAAZAAAAGQAAAAAAAAAZAAAAGQAAAAVAAAAYAAAAAAAAAAAAAAADwAAACADAAAAAAAAAAAAAAEAAACgMgAAVgcAAKr4//8BAAAAf39/AAEAAABkAAAAAAAAABQAAABAHwAAAAAAACYAAAAAAAAAwOD//wAAAAAmAAAAZAAAABYAAABMAAAAAAAAAAAAAAAEAAAAAAAAAAEAAACAgIAKAAAAACgAAAAoAAAAZAAAAGQAAAAAAAAAzMzMAAAAAABQAAAAUAAAAGQAAABkAAAAAAAAABcAAAAUAAAAAAAAAAAAAAD/fwAA/38AAAAAAAAJAAAABAAAANw7IAEeAAAAaAAAAAAAAAAAAAAAAAAAAAAAAAAAAAAAECcAABAnAAAAAAAAAAAAAAAAAAAAAAAAAAAAAAAAAAAAAAAAAAAAABQAAAAAAAAAwMD/AAAAAABkAAAAMgAAAAAAAABkAAAAAAAAAH9/fwAKAAAAIgAAABgAAAAAAAAAAAAAAAAAAAAAAAAAAAAAAAAAAAAkAAAAJAAAAAAAAAAHAAAAAAAAAAAAAAAAAAAAAAAAAAAAAAAAAAAAf39/ACUAAABYAAAAAAAAAAAAAAAAAAAAAAAAAAAAAAAAAAAAAAAAAAAAAAAAAAAAAAAAAAAAAAA/AAAAAAAAAKCGAQAAAAAAAAAAAAAAAAAMAAAAAQAAAAAAAAAAAAAAAAAAAB8AAABUAAAAAAAABQAAAAEAAAAAAAAAAAAAAAAAAAAAAAAAAAAAAAAAAAAAAAAAAAAAAAJ/f38AAAAAA8zMzADAwP8Af39/AAAAAAAAAAAAAAAAAAAAAAAAAAAAIQAAABgAAAAUAAAAwAMAALABAABARwAAuAgAABAAAAAmAAAACAAAAAAAAAAAAAAAMAAAABQAAAAAAAAAAAD//wAAAQAAAP//AAABAA=="/>
               </a:ext>
             </a:extLst>
           </p:cNvSpPr>
@@ -1253,7 +1253,7 @@
             <a:spLocks noGrp="1" noChangeArrowheads="1"/>
             <a:extLst>
               <a:ext uri="smNativeData">
-                <pr:smNativeData xmlns:pr="smNativeData" xmlns="smNativeData" val="SMDATA_16_zLafZxMAAAAlAAAAZAAAAA8BAAAAkAAAAEgAAACQAAAASAAAAAAAAAAAAAAAAAAAAAEAAABQAAAAAAAAAAAA4D8AAAAAAADgPwAAAAAAAOA/AAAAAAAA4D8AAAAAAADgPwAAAAAAAOA/AAAAAAAA4D8AAAAAAADgPwAAAAAAAOA/AAAAAAAA4D8CAAAAjAAAAAAAAAAAAAAAu+DjDP///wgAAAAAAAAAAAAAAAAAAAAAAAAAAAAAAAAAAAAAZAAAAAEAAABAAAAAAAAAAAAAAAAAAAAAAAAAAAAAAAAAAAAAAAAAAAAAAAAAAAAAAAAAAAAAAAAAAAAAAAAAAAAAAAAAAAAAAAAAAAAAAAAAAAAAAAAAAAAAAAAAAAAAFAAAADwAAAAAAAAAAAAAAAAAAAkUAAAAAQAAABQAAAAUAAAAFAAAAAEAAAAAAAAAZAAAAGQAAAAAAAAAZAAAAGQAAAAVAAAAYAAAAAAAAAAAAAAADwAAACADAAAAAAAAAAAAAAEAAACgMgAAVgcAAKr4//8BAAAAf39/AAEAAABkAAAAAAAAABQAAABAHwAAAAAAACYAAAAAAAAAwOD//wAAAAAmAAAAZAAAABYAAABMAAAAAAAAAAAAAAAEAAAAAAAAAAEAAACAgIAKAAAAACgAAAAoAAAAZAAAAGQAAAAAAAAAzMzMAAAAAABQAAAAUAAAAGQAAABkAAAAAAAAABcAAAAUAAAAAAAAAAAAAAD/fwAA/38AAAAAAAAJAAAABAAAANw7IAEeAAAAaAAAAAAAAAAAAAAAAAAAAAAAAAAAAAAAECcAABAnAAAAAAAAAAAAAAAAAAAAAAAAAAAAAAAAAAAAAAAAAAAAABQAAAAAAAAAwMD/AAAAAABkAAAAMgAAAAAAAABkAAAAAAAAAH9/fwAKAAAAIgAAABgAAAAAAAAAAAAAAAAAAAAAAAAAAAAAAAAAAAAkAAAAJAAAAAAAAAAHAAAAAAAAAAAAAAAAAAAAAAAAAAAAAAAAAAAAf39/ACUAAABYAAAAAAAAAAAAAAAAAAAAAAAAAAAAAAAAAAAAAAAAAAAAAAAAAAAAAAAAAAAAAAA/AAAAAAAAAKCGAQAAAAAAAAAAAAAAAAAMAAAAAQAAAAAAAAAAAAAAAAAAAB8AAABUAAAAAAAABQAAAAEAAAAAAAAAAAAAAAAAAAAAAAAAAAAAAAAAAAAAAAAAAAAAAAJ/f38AAAAAA8zMzADAwP8Af39/AAAAAAAAAAAAAAAAAAAAAAAAAAAAIQAAABgAAAAUAAAAwAMAANgJAADhJAAAsCUAABAAAAAmAAAACAAAAAGAAAAAAAAAMAAAABQAAAAAAAAAAAD//wAAAQAAAP//AAABAA=="/>
+                <pr:smNativeData xmlns:pr="smNativeData" xmlns="smNativeData" val="SMDATA_16_yvWgZxMAAAAlAAAAZAAAAA8BAAAAkAAAAEgAAACQAAAASAAAAAAAAAAAAAAAAAAAAAEAAABQAAAAAAAAAAAA4D8AAAAAAADgPwAAAAAAAOA/AAAAAAAA4D8AAAAAAADgPwAAAAAAAOA/AAAAAAAA4D8AAAAAAADgPwAAAAAAAOA/AAAAAAAA4D8CAAAAjAAAAAAAAAAAAAAAu+DjDP///wgAAAAAAAAAAAAAAAAAAAAAAAAAAAAAAAAAAAAAZAAAAAEAAABAAAAAAAAAAAAAAAAAAAAAAAAAAAAAAAAAAAAAAAAAAAAAAAAAAAAAAAAAAAAAAAAAAAAAAAAAAAAAAAAAAAAAAAAAAAAAAAAAAAAAAAAAAAAAAAAAAAAAFAAAADwAAAAAAAAAAAAAAAAAAAkUAAAAAQAAABQAAAAUAAAAFAAAAAEAAAAAAAAAZAAAAGQAAAAAAAAAZAAAAGQAAAAVAAAAYAAAAAAAAAAAAAAADwAAACADAAAAAAAAAAAAAAEAAACgMgAAVgcAAKr4//8BAAAAf39/AAEAAABkAAAAAAAAABQAAABAHwAAAAAAACYAAAAAAAAAwOD//wAAAAAmAAAAZAAAABYAAABMAAAAAAAAAAAAAAAEAAAAAAAAAAEAAACAgIAKAAAAACgAAAAoAAAAZAAAAGQAAAAAAAAAzMzMAAAAAABQAAAAUAAAAGQAAABkAAAAAAAAABcAAAAUAAAAAAAAAAAAAAD/fwAA/38AAAAAAAAJAAAABAAAANw7IAEeAAAAaAAAAAAAAAAAAAAAAAAAAAAAAAAAAAAAECcAABAnAAAAAAAAAAAAAAAAAAAAAAAAAAAAAAAAAAAAAAAAAAAAABQAAAAAAAAAwMD/AAAAAABkAAAAMgAAAAAAAABkAAAAAAAAAH9/fwAKAAAAIgAAABgAAAAAAAAAAAAAAAAAAAAAAAAAAAAAAAAAAAAkAAAAJAAAAAAAAAAHAAAAAAAAAAAAAAAAAAAAAAAAAAAAAAAAAAAAf39/ACUAAABYAAAAAAAAAAAAAAAAAAAAAAAAAAAAAAAAAAAAAAAAAAAAAAAAAAAAAAAAAAAAAAA/AAAAAAAAAKCGAQAAAAAAAAAAAAAAAAAMAAAAAQAAAAAAAAAAAAAAAAAAAB8AAABUAAAAAAAABQAAAAEAAAAAAAAAAAAAAAAAAAAAAAAAAAAAAAAAAAAAAAAAAAAAAAJ/f38AAAAAA8zMzADAwP8Af39/AAAAAAAAAAAAAAAAAAAAAAAAAAAAIQAAABgAAAAUAAAAwAMAANgJAADhJAAAsCUAABAAAAAmAAAACAAAAAGAAAAAAAAAMAAAABQAAAAAAAAAAAD//wAAAQAAAP//AAABAA=="/>
               </a:ext>
             </a:extLst>
           </p:cNvSpPr>
@@ -1337,7 +1337,7 @@
             <a:spLocks noGrp="1" noChangeArrowheads="1"/>
             <a:extLst>
               <a:ext uri="smNativeData">
-                <pr:smNativeData xmlns:pr="smNativeData" xmlns="smNativeData" val="SMDATA_16_zLafZxMAAAAlAAAAZAAAAA8BAAAAkAAAAEgAAACQAAAASAAAAAAAAAAAAAAAAAAAAAEAAABQAAAAAAAAAAAA4D8AAAAAAADgPwAAAAAAAOA/AAAAAAAA4D8AAAAAAADgPwAAAAAAAOA/AAAAAAAA4D8AAAAAAADgPwAAAAAAAOA/AAAAAAAA4D8CAAAAjAAAAAAAAAAAAAAAu+DjDP///wgAAAAAAAAAAAAAAAAAAAAAAAAAAAAAAAAAAAAAZAAAAAEAAABAAAAAAAAAAAAAAAAAAAAAAAAAAAAAAAAAAAAAAAAAAAAAAAAAAAAAAAAAAAAAAAAAAAAAAAAAAAAAAAAAAAAAAAAAAAAAAAAAAAAAAAAAAAAAAAAAAAAAFAAAADwAAAAAAAAAAAAAAAAAAAkUAAAAAQAAABQAAAAUAAAAFAAAAAEAAAAAAAAAZAAAAGQAAAAAAAAAZAAAAGQAAAAVAAAAYAAAAAAAAAAAAAAADwAAACADAAAAAAAAAAAAAAEAAACgMgAAVgcAAKr4//8BAAAAf39/AAEAAABkAAAAAAAAABQAAABAHwAAAAAAACYAAAAAAAAAwOD//wAAAAAmAAAAZAAAABYAAABMAAAAAAAAAAAAAAAEAAAAAAAAAAEAAACAgIAKAAAAACgAAAAoAAAAZAAAAGQAAAAAAAAAzMzMAAAAAABQAAAAUAAAAGQAAABkAAAAAAAAABcAAAAUAAAAAAAAAAAAAAD/fwAA/38AAAAAAAAJAAAABAAAANw7IAEeAAAAaAAAAAAAAAAAAAAAAAAAAAAAAAAAAAAAECcAABAnAAAAAAAAAAAAAAAAAAAAAAAAAAAAAAAAAAAAAAAAAAAAABQAAAAAAAAAwMD/AAAAAABkAAAAMgAAAAAAAABkAAAAAAAAAH9/fwAKAAAAIgAAABgAAAAAAAAAAAAAAAAAAAAAAAAAAAAAAAAAAAAkAAAAJAAAAAAAAAAHAAAAAAAAAAAAAAAAAAAAAAAAAAAAAAAAAAAAf39/ACUAAABYAAAAAAAAAAAAAAAAAAAAAAAAAAAAAAAAAAAAAAAAAAAAAAAAAAAAAAAAAAAAAAA/AAAAAAAAAKCGAQAAAAAAAAAAAAAAAAAMAAAAAQAAAAAAAAAAAAAAAAAAAB8AAABUAAAAAAAABQAAAAEAAAAAAAAAAAAAAAAAAAAAAAAAAAAAAAAAAAAAAAAAAAAAAAJ/f38AAAAAA8zMzADAwP8Af39/AAAAAAAAAAAAAAAAAAAAAAAAAAAAIQAAABgAAAAUAAAAHyYAANgJAABARwAAsCUAABAAAAAmAAAACAAAAAGAAAAAAAAAMAAAABQAAAAAAAAAAAD//wAAAQAAAP//AAABAA=="/>
+                <pr:smNativeData xmlns:pr="smNativeData" xmlns="smNativeData" val="SMDATA_16_yvWgZxMAAAAlAAAAZAAAAA8BAAAAkAAAAEgAAACQAAAASAAAAAAAAAAAAAAAAAAAAAEAAABQAAAAAAAAAAAA4D8AAAAAAADgPwAAAAAAAOA/AAAAAAAA4D8AAAAAAADgPwAAAAAAAOA/AAAAAAAA4D8AAAAAAADgPwAAAAAAAOA/AAAAAAAA4D8CAAAAjAAAAAAAAAAAAAAAu+DjDP///wgAAAAAAAAAAAAAAAAAAAAAAAAAAAAAAAAAAAAAZAAAAAEAAABAAAAAAAAAAAAAAAAAAAAAAAAAAAAAAAAAAAAAAAAAAAAAAAAAAAAAAAAAAAAAAAAAAAAAAAAAAAAAAAAAAAAAAAAAAAAAAAAAAAAAAAAAAAAAAAAAAAAAFAAAADwAAAAAAAAAAAAAAAAAAAkUAAAAAQAAABQAAAAUAAAAFAAAAAEAAAAAAAAAZAAAAGQAAAAAAAAAZAAAAGQAAAAVAAAAYAAAAAAAAAAAAAAADwAAACADAAAAAAAAAAAAAAEAAACgMgAAVgcAAKr4//8BAAAAf39/AAEAAABkAAAAAAAAABQAAABAHwAAAAAAACYAAAAAAAAAwOD//wAAAAAmAAAAZAAAABYAAABMAAAAAAAAAAAAAAAEAAAAAAAAAAEAAACAgIAKAAAAACgAAAAoAAAAZAAAAGQAAAAAAAAAzMzMAAAAAABQAAAAUAAAAGQAAABkAAAAAAAAABcAAAAUAAAAAAAAAAAAAAD/fwAA/38AAAAAAAAJAAAABAAAANw7IAEeAAAAaAAAAAAAAAAAAAAAAAAAAAAAAAAAAAAAECcAABAnAAAAAAAAAAAAAAAAAAAAAAAAAAAAAAAAAAAAAAAAAAAAABQAAAAAAAAAwMD/AAAAAABkAAAAMgAAAAAAAABkAAAAAAAAAH9/fwAKAAAAIgAAABgAAAAAAAAAAAAAAAAAAAAAAAAAAAAAAAAAAAAkAAAAJAAAAAAAAAAHAAAAAAAAAAAAAAAAAAAAAAAAAAAAAAAAAAAAf39/ACUAAABYAAAAAAAAAAAAAAAAAAAAAAAAAAAAAAAAAAAAAAAAAAAAAAAAAAAAAAAAAAAAAAA/AAAAAAAAAKCGAQAAAAAAAAAAAAAAAAAMAAAAAQAAAAAAAAAAAAAAAAAAAB8AAABUAAAAAAAABQAAAAEAAAAAAAAAAAAAAAAAAAAAAAAAAAAAAAAAAAAAAAAAAAAAAAJ/f38AAAAAA8zMzADAwP8Af39/AAAAAAAAAAAAAAAAAAAAAAAAAAAAIQAAABgAAAAUAAAAHyYAANgJAABARwAAsCUAABAAAAAmAAAACAAAAAGAAAAAAAAAMAAAABQAAAAAAAAAAAD//wAAAQAAAP//AAABAA=="/>
               </a:ext>
             </a:extLst>
           </p:cNvSpPr>
@@ -1421,7 +1421,7 @@
             <a:spLocks noGrp="1" noChangeArrowheads="1"/>
             <a:extLst>
               <a:ext uri="smNativeData">
-                <pr:smNativeData xmlns:pr="smNativeData" xmlns="smNativeData" val="SMDATA_16_zLafZxMAAAAlAAAAZAAAAA8BAAAAkAAAAEgAAACQAAAASAAAAAAAAAABAAAAAAAAAAEAAABQAAAAAAAAAAAA4D8AAAAAAADgPwAAAAAAAOA/AAAAAAAA4D8AAAAAAADgPwAAAAAAAOA/AAAAAAAA4D8AAAAAAADgPwAAAAAAAOA/AAAAAAAA4D8CAAAAjAAAAAAAAAAAAAAAu+DjDP///wgAAAAAAAAAAAAAAAAAAAAAAAAAAAAAAAAAAAAAZAAAAAEAAABAAAAAAAAAAAAAAAAAAAAAAAAAAAAAAAAAAAAAAAAAAAAAAAAAAAAAAAAAAAAAAAAAAAAAAAAAAAAAAAAAAAAAAAAAAAAAAAAAAAAAAAAAAAAAAAAAAAAAFAAAADwAAAAAAAAAAAAAAAAAAAkUAAAAAQAAABQAAAAUAAAAFAAAAAEAAAAAAAAAZAAAAGQAAAAAAAAAZAAAAGQAAAAVAAAAYAAAAAAAAAAAAAAADwAAACADAAAAAAAAAAAAAAEAAACgMgAAVgcAAKr4//8BAAAAf39/AAEAAABkAAAAAAAAABQAAABAHwAAAAAAACYAAAAAAAAAwOD//wAAAAAmAAAAZAAAABYAAABMAAAAAAAAAAAAAAAEAAAAAAAAAAEAAACAgIAKAAAAACgAAAAoAAAAZAAAAGQAAAAAAAAAzMzMAAAAAABQAAAAUAAAAGQAAABkAAAAAAAAABcAAAAUAAAAAAAAAAAAAAD/fwAA/38AAAAAAAAJAAAABAAAANw7IAEeAAAAaAAAAAAAAAAAAAAAAAAAAAAAAAAAAAAAECcAABAnAAAAAAAAAAAAAAAAAAAAAAAAAAAAAAAAAAAAAAAAAAAAABQAAAAAAAAAwMD/AAAAAABkAAAAMgAAAAAAAABkAAAAAAAAAH9/fwAKAAAAIgAAABgAAAAAAAAAAAAAAAAAAAAAAAAAAAAAAAAAAAAkAAAAJAAAAAAAAAAHAAAAAAAAAAAAAAAAAAAAAAAAAAAAAAAAAAAAf39/ACUAAABYAAAAAAAAAAAAAAAAAAAAAAAAAAAAAAAAAAAAAAAAAAAAAAAAAAAAAAAAAAAAAAA/AAAAAAAAAKCGAQAAAAAAAAAAAAAAAAAMAAAAAQAAAAAAAAAAAAAAAAAAAB8AAABUAAAAAAAABQAAAAEAAAAAAAAAAAAAAAAAAAAAAAAAAAAAAAAAAAAAAAAAAAAAAAJ/f38AAAAAA8zMzADAwP8Af39/AAAAAAAAAAAAAAAAAAAAAAAAAAAAIQAAABgAAAAUAAAAwAMAABsnAAA/FQAAWSkAABAAAAAmAAAACAAAAAAAAAAAAAAAMAAAABQAAAAAAAAAAAD//wAAAQAAAP//AAABAA=="/>
+                <pr:smNativeData xmlns:pr="smNativeData" xmlns="smNativeData" val="SMDATA_16_yvWgZxMAAAAlAAAAZAAAAA8BAAAAkAAAAEgAAACQAAAASAAAAAAAAAABAAAAAAAAAAEAAABQAAAAAAAAAAAA4D8AAAAAAADgPwAAAAAAAOA/AAAAAAAA4D8AAAAAAADgPwAAAAAAAOA/AAAAAAAA4D8AAAAAAADgPwAAAAAAAOA/AAAAAAAA4D8CAAAAjAAAAAAAAAAAAAAAu+DjDP///wgAAAAAAAAAAAAAAAAAAAAAAAAAAAAAAAAAAAAAZAAAAAEAAABAAAAAAAAAAAAAAAAAAAAAAAAAAAAAAAAAAAAAAAAAAAAAAAAAAAAAAAAAAAAAAAAAAAAAAAAAAAAAAAAAAAAAAAAAAAAAAAAAAAAAAAAAAAAAAAAAAAAAFAAAADwAAAAAAAAAAAAAAAAAAAkUAAAAAQAAABQAAAAUAAAAFAAAAAEAAAAAAAAAZAAAAGQAAAAAAAAAZAAAAGQAAAAVAAAAYAAAAAAAAAAAAAAADwAAACADAAAAAAAAAAAAAAEAAACgMgAAVgcAAKr4//8BAAAAf39/AAEAAABkAAAAAAAAABQAAABAHwAAAAAAACYAAAAAAAAAwOD//wAAAAAmAAAAZAAAABYAAABMAAAAAAAAAAAAAAAEAAAAAAAAAAEAAACAgIAKAAAAACgAAAAoAAAAZAAAAGQAAAAAAAAAzMzMAAAAAABQAAAAUAAAAGQAAABkAAAAAAAAABcAAAAUAAAAAAAAAAAAAAD/fwAA/38AAAAAAAAJAAAABAAAANw7IAEeAAAAaAAAAAAAAAAAAAAAAAAAAAAAAAAAAAAAECcAABAnAAAAAAAAAAAAAAAAAAAAAAAAAAAAAAAAAAAAAAAAAAAAABQAAAAAAAAAwMD/AAAAAABkAAAAMgAAAAAAAABkAAAAAAAAAH9/fwAKAAAAIgAAABgAAAAAAAAAAAAAAAAAAAAAAAAAAAAAAAAAAAAkAAAAJAAAAAAAAAAHAAAAAAAAAAAAAAAAAAAAAAAAAAAAAAAAAAAAf39/ACUAAABYAAAAAAAAAAAAAAAAAAAAAAAAAAAAAAAAAAAAAAAAAAAAAAAAAAAAAAAAAAAAAAA/AAAAAAAAAKCGAQAAAAAAAAAAAAAAAAAMAAAAAQAAAAAAAAAAAAAAAAAAAB8AAABUAAAAAAAABQAAAAEAAAAAAAAAAAAAAAAAAAAAAAAAAAAAAAAAAAAAAAAAAAAAAAJ/f38AAAAAA8zMzADAwP8Af39/AAAAAAAAAAAAAAAAAAAAAAAAAAAAIQAAABgAAAAUAAAAwAMAABsnAAA/FQAAWSkAABAAAAAmAAAACAAAAAAAAAAAAAAAMAAAABQAAAAAAAAAAAD//wAAAQAAAP//AAABAA=="/>
               </a:ext>
             </a:extLst>
           </p:cNvSpPr>
@@ -1435,7 +1435,7 @@
           <a:lstStyle/>
           <a:p>
             <a:pPr/>
-            <a:fld id="{3FC4CE96-D8D2-9138-9C7C-2E6D80326A7B}" type="datetime1">
+            <a:fld id="{3D141E4A-04D0-41E8-9EAC-F2BD50E268A7}" type="datetime1">
               <a:t/>
             </a:fld>
           </a:p>
@@ -1448,7 +1448,7 @@
             <a:spLocks noGrp="1" noChangeArrowheads="1"/>
             <a:extLst>
               <a:ext uri="smNativeData">
-                <pr:smNativeData xmlns:pr="smNativeData" xmlns="smNativeData" val="SMDATA_16_zLafZxMAAAAlAAAAZAAAAA8BAAAAkAAAAEgAAACQAAAASAAAAAAAAAABAAAAAAAAAAEAAABQAAAAAAAAAAAA4D8AAAAAAADgPwAAAAAAAOA/AAAAAAAA4D8AAAAAAADgPwAAAAAAAOA/AAAAAAAA4D8AAAAAAADgPwAAAAAAAOA/AAAAAAAA4D8CAAAAjAAAAAAAAAAAAAAAu+DjDP///wgAAAAAAAAAAAAAAAAAAAAAAAAAAAAAAAAAAAAAZAAAAAEAAABAAAAAAAAAAAAAAAAAAAAAAAAAAAAAAAAAAAAAAAAAAAAAAAAAAAAAAAAAAAAAAAAAAAAAAAAAAAAAAAAAAAAAAAAAAAAAAAAAAAAAAAAAAAAAAAAAAAAAFAAAADwAAAAAAAAAAAAAAAAAAAkUAAAAAQAAABQAAAAUAAAAFAAAAAEAAAAAAAAAZAAAAGQAAAAAAAAAZAAAAGQAAAAVAAAAYAAAAAAAAAAAAAAADwAAACADAAAAAAAAAAAAAAEAAACgMgAAVgcAAKr4//8BAAAAf39/AAEAAABkAAAAAAAAABQAAABAHwAAAAAAACYAAAAAAAAAwOD//wAAAAAmAAAAZAAAABYAAABMAAAAAAAAAAAAAAAEAAAAAAAAAAEAAACAgIAKAAAAACgAAAAoAAAAZAAAAGQAAAAAAAAAzMzMAAAAAABQAAAAUAAAAGQAAABkAAAAAAAAABcAAAAUAAAAAAAAAAAAAAD/fwAA/38AAAAAAAAJAAAABAAAANw7IAEeAAAAaAAAAAAAAAAAAAAAAAAAAAAAAAAAAAAAECcAABAnAAAAAAAAAAAAAAAAAAAAAAAAAAAAAAAAAAAAAAAAAAAAABQAAAAAAAAAwMD/AAAAAABkAAAAMgAAAAAAAABkAAAAAAAAAH9/fwAKAAAAIgAAABgAAAAAAAAAAAAAAAAAAAAAAAAAAAAAAAAAAAAkAAAAJAAAAAAAAAAHAAAAAAAAAAAAAAAAAAAAAAAAAAAAAAAAAAAAf39/ACUAAABYAAAAAAAAAAAAAAAAAAAAAAAAAAAAAAAAAAAAAAAAAAAAAAAAAAAAAAAAAAAAAAA/AAAAAAAAAKCGAQAAAAAAAAAAAAAAAAAMAAAAAQAAAAAAAAAAAAAAAAAAAB8AAABUAAAAAAAABQAAAAEAAAAAAAAAAAAAAAAAAAAAAAAAAAAAAAAAAAAAAAAAAAAAAAJ/f38AAAAAA8zMzADAwP8Af39/AAAAAAAAAAAAAAAAAAAAAAAAAAAAIQAAABgAAAAUAAAAoRkAABsnAABfMQAAWSkAABAAAAAmAAAACAAAAAAAAAAAAAAAMAAAABQAAAAAAAAAAAD//wAAAQAAAP//AAABAA=="/>
+                <pr:smNativeData xmlns:pr="smNativeData" xmlns="smNativeData" val="SMDATA_16_yvWgZxMAAAAlAAAAZAAAAA8BAAAAkAAAAEgAAACQAAAASAAAAAAAAAABAAAAAAAAAAEAAABQAAAAAAAAAAAA4D8AAAAAAADgPwAAAAAAAOA/AAAAAAAA4D8AAAAAAADgPwAAAAAAAOA/AAAAAAAA4D8AAAAAAADgPwAAAAAAAOA/AAAAAAAA4D8CAAAAjAAAAAAAAAAAAAAAu+DjDP///wgAAAAAAAAAAAAAAAAAAAAAAAAAAAAAAAAAAAAAZAAAAAEAAABAAAAAAAAAAAAAAAAAAAAAAAAAAAAAAAAAAAAAAAAAAAAAAAAAAAAAAAAAAAAAAAAAAAAAAAAAAAAAAAAAAAAAAAAAAAAAAAAAAAAAAAAAAAAAAAAAAAAAFAAAADwAAAAAAAAAAAAAAAAAAAkUAAAAAQAAABQAAAAUAAAAFAAAAAEAAAAAAAAAZAAAAGQAAAAAAAAAZAAAAGQAAAAVAAAAYAAAAAAAAAAAAAAADwAAACADAAAAAAAAAAAAAAEAAACgMgAAVgcAAKr4//8BAAAAf39/AAEAAABkAAAAAAAAABQAAABAHwAAAAAAACYAAAAAAAAAwOD//wAAAAAmAAAAZAAAABYAAABMAAAAAAAAAAAAAAAEAAAAAAAAAAEAAACAgIAKAAAAACgAAAAoAAAAZAAAAGQAAAAAAAAAzMzMAAAAAABQAAAAUAAAAGQAAABkAAAAAAAAABcAAAAUAAAAAAAAAAAAAAD/fwAA/38AAAAAAAAJAAAABAAAANw7IAEeAAAAaAAAAAAAAAAAAAAAAAAAAAAAAAAAAAAAECcAABAnAAAAAAAAAAAAAAAAAAAAAAAAAAAAAAAAAAAAAAAAAAAAABQAAAAAAAAAwMD/AAAAAABkAAAAMgAAAAAAAABkAAAAAAAAAH9/fwAKAAAAIgAAABgAAAAAAAAAAAAAAAAAAAAAAAAAAAAAAAAAAAAkAAAAJAAAAAAAAAAHAAAAAAAAAAAAAAAAAAAAAAAAAAAAAAAAAAAAf39/ACUAAABYAAAAAAAAAAAAAAAAAAAAAAAAAAAAAAAAAAAAAAAAAAAAAAAAAAAAAAAAAAAAAAA/AAAAAAAAAKCGAQAAAAAAAAAAAAAAAAAMAAAAAQAAAAAAAAAAAAAAAAAAAB8AAABUAAAAAAAABQAAAAEAAAAAAAAAAAAAAAAAAAAAAAAAAAAAAAAAAAAAAAAAAAAAAAJ/f38AAAAAA8zMzADAwP8Af39/AAAAAAAAAAAAAAAAAAAAAAAAAAAAIQAAABgAAAAUAAAAoRkAABsnAABfMQAAWSkAABAAAAAmAAAACAAAAAAAAAAAAAAAMAAAABQAAAAAAAAAAAD//wAAAQAAAP//AAABAA=="/>
               </a:ext>
             </a:extLst>
           </p:cNvSpPr>
@@ -1472,7 +1472,7 @@
             <a:spLocks noGrp="1" noChangeArrowheads="1"/>
             <a:extLst>
               <a:ext uri="smNativeData">
-                <pr:smNativeData xmlns:pr="smNativeData" xmlns="smNativeData" val="SMDATA_16_zLafZxMAAAAlAAAAZAAAAA8BAAAAkAAAAEgAAACQAAAASAAAAAAAAAABAAAAAAAAAAEAAABQAAAAAAAAAAAA4D8AAAAAAADgPwAAAAAAAOA/AAAAAAAA4D8AAAAAAADgPwAAAAAAAOA/AAAAAAAA4D8AAAAAAADgPwAAAAAAAOA/AAAAAAAA4D8CAAAAjAAAAAAAAAAAAAAAu+DjDP///wgAAAAAAAAAAAAAAAAAAAAAAAAAAAAAAAAAAAAAZAAAAAEAAABAAAAAAAAAAAAAAAAAAAAAAAAAAAAAAAAAAAAAAAAAAAAAAAAAAAAAAAAAAAAAAAAAAAAAAAAAAAAAAAAAAAAAAAAAAAAAAAAAAAAAAAAAAAAAAAAAAAAAFAAAADwAAAAAAAAAAAAAAAAAAAkUAAAAAQAAABQAAAAUAAAAFAAAAAEAAAAAAAAAZAAAAGQAAAAAAAAAZAAAAGQAAAAVAAAAYAAAAAAAAAAAAAAADwAAACADAAAAAAAAAAAAAAEAAACgMgAAVgcAAKr4//8BAAAAf39/AAEAAABkAAAAAAAAABQAAABAHwAAAAAAACYAAAAAAAAAwOD//wAAAAAmAAAAZAAAABYAAABMAAAAAAAAAAAAAAAEAAAAAAAAAAEAAACAgIAKAAAAACgAAAAoAAAAZAAAAGQAAAAAAAAAzMzMAAAAAABQAAAAUAAAAGQAAABkAAAAAAAAABcAAAAUAAAAAAAAAAAAAAD/fwAA/38AAAAAAAAJAAAABAAAANw7IAEeAAAAaAAAAAAAAAAAAAAAAAAAAAAAAAAAAAAAECcAABAnAAAAAAAAAAAAAAAAAAAAAAAAAAAAAAAAAAAAAAAAAAAAABQAAAAAAAAAwMD/AAAAAABkAAAAMgAAAAAAAABkAAAAAAAAAH9/fwAKAAAAIgAAABgAAAAAAAAAAAAAAAAAAAAAAAAAAAAAAAAAAAAkAAAAJAAAAAAAAAAHAAAAAAAAAAAAAAAAAAAAAAAAAAAAAAAAAAAAf39/ACUAAABYAAAAAAAAAAAAAAAAAAAAAAAAAAAAAAAAAAAAAAAAAAAAAAAAAAAAAAAAAAAAAAA/AAAAAAAAAKCGAQAAAAAAAAAAAAAAAAAMAAAAAQAAAAAAAAAAAAAAAAAAAB8AAABUAAAAAAAABQAAAAEAAAAAAAAAAAAAAAAAAAAAAAAAAAAAAAAAAAAAAAAAAAAAAAJ/f38AAAAAA8zMzADAwP8Af39/AAAAAAAAAAAAAAAAAAAAAAAAAAAAIQAAABgAAAAUAAAAwTUAABsnAABARwAAWSkAABAAAAAmAAAACAAAAAAAAAAAAAAAMAAAABQAAAAAAAAAAAD//wAAAQAAAP//AAABAA=="/>
+                <pr:smNativeData xmlns:pr="smNativeData" xmlns="smNativeData" val="SMDATA_16_yvWgZxMAAAAlAAAAZAAAAA8BAAAAkAAAAEgAAACQAAAASAAAAAAAAAABAAAAAAAAAAEAAABQAAAAAAAAAAAA4D8AAAAAAADgPwAAAAAAAOA/AAAAAAAA4D8AAAAAAADgPwAAAAAAAOA/AAAAAAAA4D8AAAAAAADgPwAAAAAAAOA/AAAAAAAA4D8CAAAAjAAAAAAAAAAAAAAAu+DjDP///wgAAAAAAAAAAAAAAAAAAAAAAAAAAAAAAAAAAAAAZAAAAAEAAABAAAAAAAAAAAAAAAAAAAAAAAAAAAAAAAAAAAAAAAAAAAAAAAAAAAAAAAAAAAAAAAAAAAAAAAAAAAAAAAAAAAAAAAAAAAAAAAAAAAAAAAAAAAAAAAAAAAAAFAAAADwAAAAAAAAAAAAAAAAAAAkUAAAAAQAAABQAAAAUAAAAFAAAAAEAAAAAAAAAZAAAAGQAAAAAAAAAZAAAAGQAAAAVAAAAYAAAAAAAAAAAAAAADwAAACADAAAAAAAAAAAAAAEAAACgMgAAVgcAAKr4//8BAAAAf39/AAEAAABkAAAAAAAAABQAAABAHwAAAAAAACYAAAAAAAAAwOD//wAAAAAmAAAAZAAAABYAAABMAAAAAAAAAAAAAAAEAAAAAAAAAAEAAACAgIAKAAAAACgAAAAoAAAAZAAAAGQAAAAAAAAAzMzMAAAAAABQAAAAUAAAAGQAAABkAAAAAAAAABcAAAAUAAAAAAAAAAAAAAD/fwAA/38AAAAAAAAJAAAABAAAANw7IAEeAAAAaAAAAAAAAAAAAAAAAAAAAAAAAAAAAAAAECcAABAnAAAAAAAAAAAAAAAAAAAAAAAAAAAAAAAAAAAAAAAAAAAAABQAAAAAAAAAwMD/AAAAAABkAAAAMgAAAAAAAABkAAAAAAAAAH9/fwAKAAAAIgAAABgAAAAAAAAAAAAAAAAAAAAAAAAAAAAAAAAAAAAkAAAAJAAAAAAAAAAHAAAAAAAAAAAAAAAAAAAAAAAAAAAAAAAAAAAAf39/ACUAAABYAAAAAAAAAAAAAAAAAAAAAAAAAAAAAAAAAAAAAAAAAAAAAAAAAAAAAAAAAAAAAAA/AAAAAAAAAKCGAQAAAAAAAAAAAAAAAAAMAAAAAQAAAAAAAAAAAAAAAAAAAB8AAABUAAAAAAAABQAAAAEAAAAAAAAAAAAAAAAAAAAAAAAAAAAAAAAAAAAAAAAAAAAAAAJ/f38AAAAAA8zMzADAwP8Af39/AAAAAAAAAAAAAAAAAAAAAAAAAAAAIQAAABgAAAAUAAAAwTUAABsnAABARwAAWSkAABAAAAAmAAAACAAAAAAAAAAAAAAAMAAAABQAAAAAAAAAAAD//wAAAQAAAP//AAABAA=="/>
               </a:ext>
             </a:extLst>
           </p:cNvSpPr>
@@ -1486,7 +1486,7 @@
           <a:lstStyle/>
           <a:p>
             <a:pPr/>
-            <a:fld id="{3FC4B8F8-B6D2-914E-9C7C-401BF6326A15}" type="slidenum">
+            <a:fld id="{3D1423FF-B1D0-41D5-9EAC-47806DE26812}" type="slidenum">
               <a:t/>
             </a:fld>
           </a:p>
@@ -1525,7 +1525,7 @@
             <a:spLocks noGrp="1" noChangeArrowheads="1"/>
             <a:extLst>
               <a:ext uri="smNativeData">
-                <pr:smNativeData xmlns:pr="smNativeData" xmlns="smNativeData" val="SMDATA_16_zLafZxMAAAAlAAAAZAAAAA8BAAAAkAAAAEgAAACQAAAASAAAAAAAAAABAAAAAAAAAAEAAABQAAAAAAAAAAAA4D8AAAAAAADgPwAAAAAAAOA/AAAAAAAA4D8AAAAAAADgPwAAAAAAAOA/AAAAAAAA4D8AAAAAAADgPwAAAAAAAOA/AAAAAAAA4D8CAAAAjAAAAAAAAAAAAAAAu+DjDP///wgAAAAAAAAAAAAAAAAAAAAAAAAAAAAAAAAAAAAAZAAAAAEAAABAAAAAAAAAAAAAAAAAAAAAAAAAAAAAAAAAAAAAAAAAAAAAAAAAAAAAAAAAAAAAAAAAAAAAAAAAAAAAAAAAAAAAAAAAAAAAAAAAAAAAAAAAAAAAAAAAAAAAFAAAADwAAAAAAAAAAAAAAAAAAAkUAAAAAQAAABQAAAAUAAAAFAAAAAEAAAAAAAAAZAAAAGQAAAAAAAAAZAAAAGQAAAAVAAAAYAAAAAAAAAAAAAAADwAAACADAAAAAAAAAAAAAAEAAACgMgAAVgcAAKr4//8BAAAAf39/AAEAAABkAAAAAAAAABQAAABAHwAAAAAAACYAAAAAAAAAwOD//wAAAAAmAAAAZAAAABYAAABMAAAAAAAAAAAAAAAEAAAAAAAAAAEAAACAgIAKAAAAACgAAAAoAAAAZAAAAGQAAAAAAAAAzMzMAAAAAABQAAAAUAAAAGQAAABkAAAAAAAAABcAAAAUAAAAAAAAAAAAAAD/fwAA/38AAAAAAAAJAAAABAAAANw7IAEeAAAAaAAAAAAAAAAAAAAAAAAAAAAAAAAAAAAAECcAABAnAAAAAAAAAAAAAAAAAAAAAAAAAAAAAAAAAAAAAAAAAAAAABQAAAAAAAAAwMD/AAAAAABkAAAAMgAAAAAAAABkAAAAAAAAAH9/fwAKAAAAIgAAABgAAAAAAAAAAAAAAAAAAAAAAAAAAAAAAAAAAAAkAAAAJAAAAAAAAAAHAAAAAAAAAAAAAAAAAAAAAAAAAAAAAAAAAAAAf39/ACUAAABYAAAAAAAAAAAAAAAAAAAAAAAAAAAAAAAAAAAAAAAAAAAAAAAAAAAAAAAAAAAAAAA/AAAAAAAAAKCGAQAAAAAAAAAAAAAAAAAMAAAAAQAAAAAAAAAAAAAAAAAAAB8AAABUAAAAAAAABQAAAAEAAAAAAAAAAAAAAAAAAAAAAAAAAAAAAAAAAAAAAAAAAAAAAAJ/f38AAAAAA8zMzADAwP8Af39/AAAAAAAAAAAAAAAAAAAAAAAAAAAAIQAAABgAAAAUAAAAwAMAALABAABARwAAuAgAABAAAAAmAAAACAAAAAAAAAAAAAAAMAAAABQAAAAAAAAAAAD//wAAAQAAAP//AAABAA=="/>
+                <pr:smNativeData xmlns:pr="smNativeData" xmlns="smNativeData" val="SMDATA_16_yvWgZxMAAAAlAAAAZAAAAA8BAAAAkAAAAEgAAACQAAAASAAAAAAAAAABAAAAAAAAAAEAAABQAAAAAAAAAAAA4D8AAAAAAADgPwAAAAAAAOA/AAAAAAAA4D8AAAAAAADgPwAAAAAAAOA/AAAAAAAA4D8AAAAAAADgPwAAAAAAAOA/AAAAAAAA4D8CAAAAjAAAAAAAAAAAAAAAu+DjDP///wgAAAAAAAAAAAAAAAAAAAAAAAAAAAAAAAAAAAAAZAAAAAEAAABAAAAAAAAAAAAAAAAAAAAAAAAAAAAAAAAAAAAAAAAAAAAAAAAAAAAAAAAAAAAAAAAAAAAAAAAAAAAAAAAAAAAAAAAAAAAAAAAAAAAAAAAAAAAAAAAAAAAAFAAAADwAAAAAAAAAAAAAAAAAAAkUAAAAAQAAABQAAAAUAAAAFAAAAAEAAAAAAAAAZAAAAGQAAAAAAAAAZAAAAGQAAAAVAAAAYAAAAAAAAAAAAAAADwAAACADAAAAAAAAAAAAAAEAAACgMgAAVgcAAKr4//8BAAAAf39/AAEAAABkAAAAAAAAABQAAABAHwAAAAAAACYAAAAAAAAAwOD//wAAAAAmAAAAZAAAABYAAABMAAAAAAAAAAAAAAAEAAAAAAAAAAEAAACAgIAKAAAAACgAAAAoAAAAZAAAAGQAAAAAAAAAzMzMAAAAAABQAAAAUAAAAGQAAABkAAAAAAAAABcAAAAUAAAAAAAAAAAAAAD/fwAA/38AAAAAAAAJAAAABAAAANw7IAEeAAAAaAAAAAAAAAAAAAAAAAAAAAAAAAAAAAAAECcAABAnAAAAAAAAAAAAAAAAAAAAAAAAAAAAAAAAAAAAAAAAAAAAABQAAAAAAAAAwMD/AAAAAABkAAAAMgAAAAAAAABkAAAAAAAAAH9/fwAKAAAAIgAAABgAAAAAAAAAAAAAAAAAAAAAAAAAAAAAAAAAAAAkAAAAJAAAAAAAAAAHAAAAAAAAAAAAAAAAAAAAAAAAAAAAAAAAAAAAf39/ACUAAABYAAAAAAAAAAAAAAAAAAAAAAAAAAAAAAAAAAAAAAAAAAAAAAAAAAAAAAAAAAAAAAA/AAAAAAAAAKCGAQAAAAAAAAAAAAAAAAAMAAAAAQAAAAAAAAAAAAAAAAAAAB8AAABUAAAAAAAABQAAAAEAAAAAAAAAAAAAAAAAAAAAAAAAAAAAAAAAAAAAAAAAAAAAAAJ/f38AAAAAA8zMzADAwP8Af39/AAAAAAAAAAAAAAAAAAAAAAAAAAAAIQAAABgAAAAUAAAAwAMAALABAABARwAAuAgAABAAAAAmAAAACAAAAAAAAAAAAAAAMAAAABQAAAAAAAAAAAD//wAAAQAAAP//AAABAA=="/>
               </a:ext>
             </a:extLst>
           </p:cNvSpPr>
@@ -1552,7 +1552,7 @@
             <a:spLocks noGrp="1" noChangeArrowheads="1"/>
             <a:extLst>
               <a:ext uri="smNativeData">
-                <pr:smNativeData xmlns:pr="smNativeData" xmlns="smNativeData" val="SMDATA_16_zLafZxMAAAAlAAAAZAAAAA8BAAAAkAAAAEgAAACQAAAASAAAAAAAAAACAAAAAAAAAAEAAABQAAAAAAAAAAAA4D8AAAAAAADgPwAAAAAAAOA/AAAAAAAA4D8AAAAAAADgPwAAAAAAAOA/AAAAAAAA4D8AAAAAAADgPwAAAAAAAOA/AAAAAAAA4D8CAAAAjAAAAAAAAAAAAAAAu+DjDP///wgAAAAAAAAAAAAAAAAAAAAAAAAAAAAAAAAAAAAAZAAAAAEAAABAAAAAAAAAAAAAAAAAAAAAAAAAAAAAAAAAAAAAAAAAAAAAAAAAAAAAAAAAAAAAAAAAAAAAAAAAAAAAAAAAAAAAAAAAAAAAAAAAAAAAAAAAAAAAAAAAAAAAFAAAADwAAAAAAAAAAAAAAAAAAAkUAAAAAQAAABQAAAAUAAAAFAAAAAEAAAAAAAAAZAAAAGQAAAAAAAAAZAAAAGQAAAAVAAAAYAAAAAAAAAAAAAAADwAAACADAAAAAAAAAAAAAAEAAACgMgAAVgcAAKr4//8BAAAAf39/AAEAAABkAAAAAAAAABQAAABAHwAAAAAAACYAAAAAAAAAwOD//wAAAAAmAAAAZAAAABYAAABMAAAAAAAAAAAAAAAEAAAAAAAAAAEAAACAgIAKAAAAACgAAAAoAAAAZAAAAGQAAAAAAAAAzMzMAAAAAABQAAAAUAAAAGQAAABkAAAAAAAAABcAAAAUAAAAAAAAAAAAAAD/fwAA/38AAAAAAAAJAAAABAAAANw7IAEeAAAAaAAAAAAAAAAAAAAAAAAAAAAAAAAAAAAAECcAABAnAAAAAAAAAAAAAAAAAAAAAAAAAAAAAAAAAAAAAAAAAAAAABQAAAAAAAAAwMD/AAAAAABkAAAAMgAAAAAAAABkAAAAAAAAAH9/fwAKAAAAIgAAABgAAAAAAAAAAAAAAAAAAAAAAAAAAAAAAAAAAAAkAAAAJAAAAAAAAAAHAAAAAAAAAAAAAAAAAAAAAAAAAAAAAAAAAAAAf39/ACUAAABYAAAAAAAAAAAAAAAAAAAAAAAAAAAAAAAAAAAAAAAAAAAAAAAAAAAAAAAAAAAAAAA/AAAAAAAAAKCGAQAAAAAAAAAAAAAAAAAMAAAAAQAAAAAAAAAAAAAAAAAAAB8AAABUAAAAAAAABQAAAAEAAAAAAAAAAAAAAAAAAAAAAAAAAAAAAAAAAAAAAAAAAAAAAAJ/f38AAAAAA8zMzADAwP8Af39/AAAAAAAAAAAAAAAAAAAAAAAAAAAAIQAAABgAAAAUAAAAwAMAAHEJAADjJAAAYQ0AABAAAAAmAAAACAAAAIGAAAAAAAAAMAAAABQAAAAAAAAAAAD//wAAAQAAAP//AAABAA=="/>
+                <pr:smNativeData xmlns:pr="smNativeData" xmlns="smNativeData" val="SMDATA_16_yvWgZxMAAAAlAAAAZAAAAA8BAAAAkAAAAEgAAACQAAAASAAAAAAAAAACAAAAAAAAAAEAAABQAAAAAAAAAAAA4D8AAAAAAADgPwAAAAAAAOA/AAAAAAAA4D8AAAAAAADgPwAAAAAAAOA/AAAAAAAA4D8AAAAAAADgPwAAAAAAAOA/AAAAAAAA4D8CAAAAjAAAAAAAAAAAAAAAu+DjDP///wgAAAAAAAAAAAAAAAAAAAAAAAAAAAAAAAAAAAAAZAAAAAEAAABAAAAAAAAAAAAAAAAAAAAAAAAAAAAAAAAAAAAAAAAAAAAAAAAAAAAAAAAAAAAAAAAAAAAAAAAAAAAAAAAAAAAAAAAAAAAAAAAAAAAAAAAAAAAAAAAAAAAAFAAAADwAAAAAAAAAAAAAAAAAAAkUAAAAAQAAABQAAAAUAAAAFAAAAAEAAAAAAAAAZAAAAGQAAAAAAAAAZAAAAGQAAAAVAAAAYAAAAAAAAAAAAAAADwAAACADAAAAAAAAAAAAAAEAAACgMgAAVgcAAKr4//8BAAAAf39/AAEAAABkAAAAAAAAABQAAABAHwAAAAAAACYAAAAAAAAAwOD//wAAAAAmAAAAZAAAABYAAABMAAAAAAAAAAAAAAAEAAAAAAAAAAEAAACAgIAKAAAAACgAAAAoAAAAZAAAAGQAAAAAAAAAzMzMAAAAAABQAAAAUAAAAGQAAABkAAAAAAAAABcAAAAUAAAAAAAAAAAAAAD/fwAA/38AAAAAAAAJAAAABAAAANw7IAEeAAAAaAAAAAAAAAAAAAAAAAAAAAAAAAAAAAAAECcAABAnAAAAAAAAAAAAAAAAAAAAAAAAAAAAAAAAAAAAAAAAAAAAABQAAAAAAAAAwMD/AAAAAABkAAAAMgAAAAAAAABkAAAAAAAAAH9/fwAKAAAAIgAAABgAAAAAAAAAAAAAAAAAAAAAAAAAAAAAAAAAAAAkAAAAJAAAAAAAAAAHAAAAAAAAAAAAAAAAAAAAAAAAAAAAAAAAAAAAf39/ACUAAABYAAAAAAAAAAAAAAAAAAAAAAAAAAAAAAAAAAAAAAAAAAAAAAAAAAAAAAAAAAAAAAA/AAAAAAAAAKCGAQAAAAAAAAAAAAAAAAAMAAAAAQAAAAAAAAAAAAAAAAAAAB8AAABUAAAAAAAABQAAAAEAAAAAAAAAAAAAAAAAAAAAAAAAAAAAAAAAAAAAAAAAAAAAAAJ/f38AAAAAA8zMzADAwP8Af39/AAAAAAAAAAAAAAAAAAAAAAAAAAAAIQAAABgAAAAUAAAAwAMAAHEJAADjJAAAYQ0AABAAAAAmAAAACAAAAIGAAAAAAAAAMAAAABQAAAAAAAAAAAD//wAAAQAAAP//AAABAA=="/>
               </a:ext>
             </a:extLst>
           </p:cNvSpPr>
@@ -1625,7 +1625,7 @@
             <a:spLocks noGrp="1" noChangeArrowheads="1"/>
             <a:extLst>
               <a:ext uri="smNativeData">
-                <pr:smNativeData xmlns:pr="smNativeData" xmlns="smNativeData" val="SMDATA_16_zLafZxMAAAAlAAAAZAAAAA8BAAAAkAAAAEgAAACQAAAASAAAAAAAAAAAAAAAAAAAAAEAAABQAAAAAAAAAAAA4D8AAAAAAADgPwAAAAAAAOA/AAAAAAAA4D8AAAAAAADgPwAAAAAAAOA/AAAAAAAA4D8AAAAAAADgPwAAAAAAAOA/AAAAAAAA4D8CAAAAjAAAAAAAAAAAAAAAu+DjDP///wgAAAAAAAAAAAAAAAAAAAAAAAAAAAAAAAAAAAAAZAAAAAEAAABAAAAAAAAAAAAAAAAAAAAAAAAAAAAAAAAAAAAAAAAAAAAAAAAAAAAAAAAAAAAAAAAAAAAAAAAAAAAAAAAAAAAAAAAAAAAAAAAAAAAAAAAAAAAAAAAAAAAAFAAAADwAAAAAAAAAAAAAAAAAAAkUAAAAAQAAABQAAAAUAAAAFAAAAAEAAAAAAAAAZAAAAGQAAAAAAAAAZAAAAGQAAAAVAAAAYAAAAAAAAAAAAAAADwAAACADAAAAAAAAAAAAAAEAAACgMgAAVgcAAKr4//8BAAAAf39/AAEAAABkAAAAAAAAABQAAABAHwAAAAAAACYAAAAAAAAAwOD//wAAAAAmAAAAZAAAABYAAABMAAAAAAAAAAAAAAAEAAAAAAAAAAEAAACAgIAKAAAAACgAAAAoAAAAZAAAAGQAAAAAAAAAzMzMAAAAAABQAAAAUAAAAGQAAABkAAAAAAAAABcAAAAUAAAAAAAAAAAAAAD/fwAA/38AAAAAAAAJAAAABAAAANw7IAEeAAAAaAAAAAAAAAAAAAAAAAAAAAAAAAAAAAAAECcAABAnAAAAAAAAAAAAAAAAAAAAAAAAAAAAAAAAAAAAAAAAAAAAABQAAAAAAAAAwMD/AAAAAABkAAAAMgAAAAAAAABkAAAAAAAAAH9/fwAKAAAAIgAAABgAAAAAAAAAAAAAAAAAAAAAAAAAAAAAAAAAAAAkAAAAJAAAAAAAAAAHAAAAAAAAAAAAAAAAAAAAAAAAAAAAAAAAAAAAf39/ACUAAABYAAAAAAAAAAAAAAAAAAAAAAAAAAAAAAAAAAAAAAAAAAAAAAAAAAAAAAAAAAAAAAA/AAAAAAAAAKCGAQAAAAAAAAAAAAAAAAAMAAAAAQAAAAAAAAAAAAAAAAAAAB8AAABUAAAAAAAABQAAAAEAAAAAAAAAAAAAAAAAAAAAAAAAAAAAAAAAAAAAAAAAAAAAAAJ/f38AAAAAA8zMzADAwP8Af39/AAAAAAAAAAAAAAAAAAAAAAAAAAAAIQAAABgAAAAUAAAAwAMAAGENAADjJAAAsCUAABAAAAAmAAAACAAAAAGAAAAAAAAAMAAAABQAAAAAAAAAAAD//wAAAQAAAP//AAABAA=="/>
+                <pr:smNativeData xmlns:pr="smNativeData" xmlns="smNativeData" val="SMDATA_16_yvWgZxMAAAAlAAAAZAAAAA8BAAAAkAAAAEgAAACQAAAASAAAAAAAAAAAAAAAAAAAAAEAAABQAAAAAAAAAAAA4D8AAAAAAADgPwAAAAAAAOA/AAAAAAAA4D8AAAAAAADgPwAAAAAAAOA/AAAAAAAA4D8AAAAAAADgPwAAAAAAAOA/AAAAAAAA4D8CAAAAjAAAAAAAAAAAAAAAu+DjDP///wgAAAAAAAAAAAAAAAAAAAAAAAAAAAAAAAAAAAAAZAAAAAEAAABAAAAAAAAAAAAAAAAAAAAAAAAAAAAAAAAAAAAAAAAAAAAAAAAAAAAAAAAAAAAAAAAAAAAAAAAAAAAAAAAAAAAAAAAAAAAAAAAAAAAAAAAAAAAAAAAAAAAAFAAAADwAAAAAAAAAAAAAAAAAAAkUAAAAAQAAABQAAAAUAAAAFAAAAAEAAAAAAAAAZAAAAGQAAAAAAAAAZAAAAGQAAAAVAAAAYAAAAAAAAAAAAAAADwAAACADAAAAAAAAAAAAAAEAAACgMgAAVgcAAKr4//8BAAAAf39/AAEAAABkAAAAAAAAABQAAABAHwAAAAAAACYAAAAAAAAAwOD//wAAAAAmAAAAZAAAABYAAABMAAAAAAAAAAAAAAAEAAAAAAAAAAEAAACAgIAKAAAAACgAAAAoAAAAZAAAAGQAAAAAAAAAzMzMAAAAAABQAAAAUAAAAGQAAABkAAAAAAAAABcAAAAUAAAAAAAAAAAAAAD/fwAA/38AAAAAAAAJAAAABAAAANw7IAEeAAAAaAAAAAAAAAAAAAAAAAAAAAAAAAAAAAAAECcAABAnAAAAAAAAAAAAAAAAAAAAAAAAAAAAAAAAAAAAAAAAAAAAABQAAAAAAAAAwMD/AAAAAABkAAAAMgAAAAAAAABkAAAAAAAAAH9/fwAKAAAAIgAAABgAAAAAAAAAAAAAAAAAAAAAAAAAAAAAAAAAAAAkAAAAJAAAAAAAAAAHAAAAAAAAAAAAAAAAAAAAAAAAAAAAAAAAAAAAf39/ACUAAABYAAAAAAAAAAAAAAAAAAAAAAAAAAAAAAAAAAAAAAAAAAAAAAAAAAAAAAAAAAAAAAA/AAAAAAAAAKCGAQAAAAAAAAAAAAAAAAAMAAAAAQAAAAAAAAAAAAAAAAAAAB8AAABUAAAAAAAABQAAAAEAAAAAAAAAAAAAAAAAAAAAAAAAAAAAAAAAAAAAAAAAAAAAAAJ/f38AAAAAA8zMzADAwP8Af39/AAAAAAAAAAAAAAAAAAAAAAAAAAAAIQAAABgAAAAUAAAAwAMAAGENAADjJAAAsCUAABAAAAAmAAAACAAAAAGAAAAAAAAAMAAAABQAAAAAAAAAAAD//wAAAQAAAP//AAABAA=="/>
               </a:ext>
             </a:extLst>
           </p:cNvSpPr>
@@ -1709,7 +1709,7 @@
             <a:spLocks noGrp="1" noChangeArrowheads="1"/>
             <a:extLst>
               <a:ext uri="smNativeData">
-                <pr:smNativeData xmlns:pr="smNativeData" xmlns="smNativeData" val="SMDATA_16_zLafZxMAAAAlAAAAZAAAAA8BAAAAkAAAAEgAAACQAAAASAAAAAAAAAACAAAAAAAAAAEAAABQAAAAAAAAAAAA4D8AAAAAAADgPwAAAAAAAOA/AAAAAAAA4D8AAAAAAADgPwAAAAAAAOA/AAAAAAAA4D8AAAAAAADgPwAAAAAAAOA/AAAAAAAA4D8CAAAAjAAAAAAAAAAAAAAAu+DjDP///wgAAAAAAAAAAAAAAAAAAAAAAAAAAAAAAAAAAAAAZAAAAAEAAABAAAAAAAAAAAAAAAAAAAAAAAAAAAAAAAAAAAAAAAAAAAAAAAAAAAAAAAAAAAAAAAAAAAAAAAAAAAAAAAAAAAAAAAAAAAAAAAAAAAAAAAAAAAAAAAAAAAAAFAAAADwAAAAAAAAAAAAAAAAAAAkUAAAAAQAAABQAAAAUAAAAFAAAAAEAAAAAAAAAZAAAAGQAAAAAAAAAZAAAAGQAAAAVAAAAYAAAAAAAAAAAAAAADwAAACADAAAAAAAAAAAAAAEAAACgMgAAVgcAAKr4//8BAAAAf39/AAEAAABkAAAAAAAAABQAAABAHwAAAAAAACYAAAAAAAAAwOD//wAAAAAmAAAAZAAAABYAAABMAAAAAAAAAAAAAAAEAAAAAAAAAAEAAACAgIAKAAAAACgAAAAoAAAAZAAAAGQAAAAAAAAAzMzMAAAAAABQAAAAUAAAAGQAAABkAAAAAAAAABcAAAAUAAAAAAAAAAAAAAD/fwAA/38AAAAAAAAJAAAABAAAANw7IAEeAAAAaAAAAAAAAAAAAAAAAAAAAAAAAAAAAAAAECcAABAnAAAAAAAAAAAAAAAAAAAAAAAAAAAAAAAAAAAAAAAAAAAAABQAAAAAAAAAwMD/AAAAAABkAAAAMgAAAAAAAABkAAAAAAAAAH9/fwAKAAAAIgAAABgAAAAAAAAAAAAAAAAAAAAAAAAAAAAAAAAAAAAkAAAAJAAAAAAAAAAHAAAAAAAAAAAAAAAAAAAAAAAAAAAAAAAAAAAAf39/ACUAAABYAAAAAAAAAAAAAAAAAAAAAAAAAAAAAAAAAAAAAAAAAAAAAAAAAAAAAAAAAAAAAAA/AAAAAAAAAKCGAQAAAAAAAAAAAAAAAAAMAAAAAQAAAAAAAAAAAAAAAAAAAB8AAABUAAAAAAAABQAAAAEAAAAAAAAAAAAAAAAAAAAAAAAAAAAAAAAAAAAAAAAAAAAAAAJ/f38AAAAAA8zMzADAwP8Af39/AAAAAAAAAAAAAAAAAAAAAAAAAAAAIQAAABgAAAAUAAAAHSYAAHEJAABARwAAYQ0AABAAAAAmAAAACAAAAIGAAAAAAAAAMAAAABQAAAAAAAAAAAD//wAAAQAAAP//AAABAA=="/>
+                <pr:smNativeData xmlns:pr="smNativeData" xmlns="smNativeData" val="SMDATA_16_yvWgZxMAAAAlAAAAZAAAAA8BAAAAkAAAAEgAAACQAAAASAAAAAAAAAACAAAAAAAAAAEAAABQAAAAAAAAAAAA4D8AAAAAAADgPwAAAAAAAOA/AAAAAAAA4D8AAAAAAADgPwAAAAAAAOA/AAAAAAAA4D8AAAAAAADgPwAAAAAAAOA/AAAAAAAA4D8CAAAAjAAAAAAAAAAAAAAAu+DjDP///wgAAAAAAAAAAAAAAAAAAAAAAAAAAAAAAAAAAAAAZAAAAAEAAABAAAAAAAAAAAAAAAAAAAAAAAAAAAAAAAAAAAAAAAAAAAAAAAAAAAAAAAAAAAAAAAAAAAAAAAAAAAAAAAAAAAAAAAAAAAAAAAAAAAAAAAAAAAAAAAAAAAAAFAAAADwAAAAAAAAAAAAAAAAAAAkUAAAAAQAAABQAAAAUAAAAFAAAAAEAAAAAAAAAZAAAAGQAAAAAAAAAZAAAAGQAAAAVAAAAYAAAAAAAAAAAAAAADwAAACADAAAAAAAAAAAAAAEAAACgMgAAVgcAAKr4//8BAAAAf39/AAEAAABkAAAAAAAAABQAAABAHwAAAAAAACYAAAAAAAAAwOD//wAAAAAmAAAAZAAAABYAAABMAAAAAAAAAAAAAAAEAAAAAAAAAAEAAACAgIAKAAAAACgAAAAoAAAAZAAAAGQAAAAAAAAAzMzMAAAAAABQAAAAUAAAAGQAAABkAAAAAAAAABcAAAAUAAAAAAAAAAAAAAD/fwAA/38AAAAAAAAJAAAABAAAANw7IAEeAAAAaAAAAAAAAAAAAAAAAAAAAAAAAAAAAAAAECcAABAnAAAAAAAAAAAAAAAAAAAAAAAAAAAAAAAAAAAAAAAAAAAAABQAAAAAAAAAwMD/AAAAAABkAAAAMgAAAAAAAABkAAAAAAAAAH9/fwAKAAAAIgAAABgAAAAAAAAAAAAAAAAAAAAAAAAAAAAAAAAAAAAkAAAAJAAAAAAAAAAHAAAAAAAAAAAAAAAAAAAAAAAAAAAAAAAAAAAAf39/ACUAAABYAAAAAAAAAAAAAAAAAAAAAAAAAAAAAAAAAAAAAAAAAAAAAAAAAAAAAAAAAAAAAAA/AAAAAAAAAKCGAQAAAAAAAAAAAAAAAAAMAAAAAQAAAAAAAAAAAAAAAAAAAB8AAABUAAAAAAAABQAAAAEAAAAAAAAAAAAAAAAAAAAAAAAAAAAAAAAAAAAAAAAAAAAAAAJ/f38AAAAAA8zMzADAwP8Af39/AAAAAAAAAAAAAAAAAAAAAAAAAAAAIQAAABgAAAAUAAAAHSYAAHEJAABARwAAYQ0AABAAAAAmAAAACAAAAIGAAAAAAAAAMAAAABQAAAAAAAAAAAD//wAAAQAAAP//AAABAA=="/>
               </a:ext>
             </a:extLst>
           </p:cNvSpPr>
@@ -1782,7 +1782,7 @@
             <a:spLocks noGrp="1" noChangeArrowheads="1"/>
             <a:extLst>
               <a:ext uri="smNativeData">
-                <pr:smNativeData xmlns:pr="smNativeData" xmlns="smNativeData" val="SMDATA_16_zLafZxMAAAAlAAAAZAAAAA8BAAAAkAAAAEgAAACQAAAASAAAAAAAAAAAAAAAAAAAAAEAAABQAAAAAAAAAAAA4D8AAAAAAADgPwAAAAAAAOA/AAAAAAAA4D8AAAAAAADgPwAAAAAAAOA/AAAAAAAA4D8AAAAAAADgPwAAAAAAAOA/AAAAAAAA4D8CAAAAjAAAAAAAAAAAAAAAu+DjDP///wgAAAAAAAAAAAAAAAAAAAAAAAAAAAAAAAAAAAAAZAAAAAEAAABAAAAAAAAAAAAAAAAAAAAAAAAAAAAAAAAAAAAAAAAAAAAAAAAAAAAAAAAAAAAAAAAAAAAAAAAAAAAAAAAAAAAAAAAAAAAAAAAAAAAAAAAAAAAAAAAAAAAAFAAAADwAAAAAAAAAAAAAAAAAAAkUAAAAAQAAABQAAAAUAAAAFAAAAAEAAAAAAAAAZAAAAGQAAAAAAAAAZAAAAGQAAAAVAAAAYAAAAAAAAAAAAAAADwAAACADAAAAAAAAAAAAAAEAAACgMgAAVgcAAKr4//8BAAAAf39/AAEAAABkAAAAAAAAABQAAABAHwAAAAAAACYAAAAAAAAAwOD//wAAAAAmAAAAZAAAABYAAABMAAAAAAAAAAAAAAAEAAAAAAAAAAEAAACAgIAKAAAAACgAAAAoAAAAZAAAAGQAAAAAAAAAzMzMAAAAAABQAAAAUAAAAGQAAABkAAAAAAAAABcAAAAUAAAAAAAAAAAAAAD/fwAA/38AAAAAAAAJAAAABAAAANw7IAEeAAAAaAAAAAAAAAAAAAAAAAAAAAAAAAAAAAAAECcAABAnAAAAAAAAAAAAAAAAAAAAAAAAAAAAAAAAAAAAAAAAAAAAABQAAAAAAAAAwMD/AAAAAABkAAAAMgAAAAAAAABkAAAAAAAAAH9/fwAKAAAAIgAAABgAAAAAAAAAAAAAAAAAAAAAAAAAAAAAAAAAAAAkAAAAJAAAAAAAAAAHAAAAAAAAAAAAAAAAAAAAAAAAAAAAAAAAAAAAf39/ACUAAABYAAAAAAAAAAAAAAAAAAAAAAAAAAAAAAAAAAAAAAAAAAAAAAAAAAAAAAAAAAAAAAA/AAAAAAAAAKCGAQAAAAAAAAAAAAAAAAAMAAAAAQAAAAAAAAAAAAAAAAAAAB8AAABUAAAAAAAABQAAAAEAAAAAAAAAAAAAAAAAAAAAAAAAAAAAAAAAAAAAAAAAAAAAAAJ/f38AAAAAA8zMzADAwP8Af39/AAAAAAAAAAAAAAAAAAAAAAAAAAAAIQAAABgAAAAUAAAAHSYAAGENAABARwAAsCUAABAAAAAmAAAACAAAAAGAAAAAAAAAMAAAABQAAAAAAAAAAAD//wAAAQAAAP//AAABAA=="/>
+                <pr:smNativeData xmlns:pr="smNativeData" xmlns="smNativeData" val="SMDATA_16_yvWgZxMAAAAlAAAAZAAAAA8BAAAAkAAAAEgAAACQAAAASAAAAAAAAAAAAAAAAAAAAAEAAABQAAAAAAAAAAAA4D8AAAAAAADgPwAAAAAAAOA/AAAAAAAA4D8AAAAAAADgPwAAAAAAAOA/AAAAAAAA4D8AAAAAAADgPwAAAAAAAOA/AAAAAAAA4D8CAAAAjAAAAAAAAAAAAAAAu+DjDP///wgAAAAAAAAAAAAAAAAAAAAAAAAAAAAAAAAAAAAAZAAAAAEAAABAAAAAAAAAAAAAAAAAAAAAAAAAAAAAAAAAAAAAAAAAAAAAAAAAAAAAAAAAAAAAAAAAAAAAAAAAAAAAAAAAAAAAAAAAAAAAAAAAAAAAAAAAAAAAAAAAAAAAFAAAADwAAAAAAAAAAAAAAAAAAAkUAAAAAQAAABQAAAAUAAAAFAAAAAEAAAAAAAAAZAAAAGQAAAAAAAAAZAAAAGQAAAAVAAAAYAAAAAAAAAAAAAAADwAAACADAAAAAAAAAAAAAAEAAACgMgAAVgcAAKr4//8BAAAAf39/AAEAAABkAAAAAAAAABQAAABAHwAAAAAAACYAAAAAAAAAwOD//wAAAAAmAAAAZAAAABYAAABMAAAAAAAAAAAAAAAEAAAAAAAAAAEAAACAgIAKAAAAACgAAAAoAAAAZAAAAGQAAAAAAAAAzMzMAAAAAABQAAAAUAAAAGQAAABkAAAAAAAAABcAAAAUAAAAAAAAAAAAAAD/fwAA/38AAAAAAAAJAAAABAAAANw7IAEeAAAAaAAAAAAAAAAAAAAAAAAAAAAAAAAAAAAAECcAABAnAAAAAAAAAAAAAAAAAAAAAAAAAAAAAAAAAAAAAAAAAAAAABQAAAAAAAAAwMD/AAAAAABkAAAAMgAAAAAAAABkAAAAAAAAAH9/fwAKAAAAIgAAABgAAAAAAAAAAAAAAAAAAAAAAAAAAAAAAAAAAAAkAAAAJAAAAAAAAAAHAAAAAAAAAAAAAAAAAAAAAAAAAAAAAAAAAAAAf39/ACUAAABYAAAAAAAAAAAAAAAAAAAAAAAAAAAAAAAAAAAAAAAAAAAAAAAAAAAAAAAAAAAAAAA/AAAAAAAAAKCGAQAAAAAAAAAAAAAAAAAMAAAAAQAAAAAAAAAAAAAAAAAAAB8AAABUAAAAAAAABQAAAAEAAAAAAAAAAAAAAAAAAAAAAAAAAAAAAAAAAAAAAAAAAAAAAAJ/f38AAAAAA8zMzADAwP8Af39/AAAAAAAAAAAAAAAAAAAAAAAAAAAAIQAAABgAAAAUAAAAHSYAAGENAABARwAAsCUAABAAAAAmAAAACAAAAAGAAAAAAAAAMAAAABQAAAAAAAAAAAD//wAAAQAAAP//AAABAA=="/>
               </a:ext>
             </a:extLst>
           </p:cNvSpPr>
@@ -1866,7 +1866,7 @@
             <a:spLocks noGrp="1" noChangeArrowheads="1"/>
             <a:extLst>
               <a:ext uri="smNativeData">
-                <pr:smNativeData xmlns:pr="smNativeData" xmlns="smNativeData" val="SMDATA_16_zLafZxMAAAAlAAAAZAAAAA8BAAAAkAAAAEgAAACQAAAASAAAAAAAAAABAAAAAAAAAAEAAABQAAAAAAAAAAAA4D8AAAAAAADgPwAAAAAAAOA/AAAAAAAA4D8AAAAAAADgPwAAAAAAAOA/AAAAAAAA4D8AAAAAAADgPwAAAAAAAOA/AAAAAAAA4D8CAAAAjAAAAAAAAAAAAAAAu+DjDP///wgAAAAAAAAAAAAAAAAAAAAAAAAAAAAAAAAAAAAAZAAAAAEAAABAAAAAAAAAAAAAAAAAAAAAAAAAAAAAAAAAAAAAAAAAAAAAAAAAAAAAAAAAAAAAAAAAAAAAAAAAAAAAAAAAAAAAAAAAAAAAAAAAAAAAAAAAAAAAAAAAAAAAFAAAADwAAAAAAAAAAAAAAAAAAAkUAAAAAQAAABQAAAAUAAAAFAAAAAEAAAAAAAAAZAAAAGQAAAAAAAAAZAAAAGQAAAAVAAAAYAAAAAAAAAAAAAAADwAAACADAAAAAAAAAAAAAAEAAACgMgAAVgcAAKr4//8BAAAAf39/AAEAAABkAAAAAAAAABQAAABAHwAAAAAAACYAAAAAAAAAwOD//wAAAAAmAAAAZAAAABYAAABMAAAAAAAAAAAAAAAEAAAAAAAAAAEAAACAgIAKAAAAACgAAAAoAAAAZAAAAGQAAAAAAAAAzMzMAAAAAABQAAAAUAAAAGQAAABkAAAAAAAAABcAAAAUAAAAAAAAAAAAAAD/fwAA/38AAAAAAAAJAAAABAAAANw7IAEeAAAAaAAAAAAAAAAAAAAAAAAAAAAAAAAAAAAAECcAABAnAAAAAAAAAAAAAAAAAAAAAAAAAAAAAAAAAAAAAAAAAAAAABQAAAAAAAAAwMD/AAAAAABkAAAAMgAAAAAAAABkAAAAAAAAAH9/fwAKAAAAIgAAABgAAAAAAAAAAAAAAAAAAAAAAAAAAAAAAAAAAAAkAAAAJAAAAAAAAAAHAAAAAAAAAAAAAAAAAAAAAAAAAAAAAAAAAAAAf39/ACUAAABYAAAAAAAAAAAAAAAAAAAAAAAAAAAAAAAAAAAAAAAAAAAAAAAAAAAAAAAAAAAAAAA/AAAAAAAAAKCGAQAAAAAAAAAAAAAAAAAMAAAAAQAAAAAAAAAAAAAAAAAAAB8AAABUAAAAAAAABQAAAAEAAAAAAAAAAAAAAAAAAAAAAAAAAAAAAAAAAAAAAAAAAAAAAAJ/f38AAAAAA8zMzADAwP8Af39/AAAAAAAAAAAAAAAAAAAAAAAAAAAAIQAAABgAAAAUAAAAwAMAABsnAAA/FQAAWSkAABAAAAAmAAAACAAAAAAAAAAAAAAAMAAAABQAAAAAAAAAAAD//wAAAQAAAP//AAABAA=="/>
+                <pr:smNativeData xmlns:pr="smNativeData" xmlns="smNativeData" val="SMDATA_16_yvWgZxMAAAAlAAAAZAAAAA8BAAAAkAAAAEgAAACQAAAASAAAAAAAAAABAAAAAAAAAAEAAABQAAAAAAAAAAAA4D8AAAAAAADgPwAAAAAAAOA/AAAAAAAA4D8AAAAAAADgPwAAAAAAAOA/AAAAAAAA4D8AAAAAAADgPwAAAAAAAOA/AAAAAAAA4D8CAAAAjAAAAAAAAAAAAAAAu+DjDP///wgAAAAAAAAAAAAAAAAAAAAAAAAAAAAAAAAAAAAAZAAAAAEAAABAAAAAAAAAAAAAAAAAAAAAAAAAAAAAAAAAAAAAAAAAAAAAAAAAAAAAAAAAAAAAAAAAAAAAAAAAAAAAAAAAAAAAAAAAAAAAAAAAAAAAAAAAAAAAAAAAAAAAFAAAADwAAAAAAAAAAAAAAAAAAAkUAAAAAQAAABQAAAAUAAAAFAAAAAEAAAAAAAAAZAAAAGQAAAAAAAAAZAAAAGQAAAAVAAAAYAAAAAAAAAAAAAAADwAAACADAAAAAAAAAAAAAAEAAACgMgAAVgcAAKr4//8BAAAAf39/AAEAAABkAAAAAAAAABQAAABAHwAAAAAAACYAAAAAAAAAwOD//wAAAAAmAAAAZAAAABYAAABMAAAAAAAAAAAAAAAEAAAAAAAAAAEAAACAgIAKAAAAACgAAAAoAAAAZAAAAGQAAAAAAAAAzMzMAAAAAABQAAAAUAAAAGQAAABkAAAAAAAAABcAAAAUAAAAAAAAAAAAAAD/fwAA/38AAAAAAAAJAAAABAAAANw7IAEeAAAAaAAAAAAAAAAAAAAAAAAAAAAAAAAAAAAAECcAABAnAAAAAAAAAAAAAAAAAAAAAAAAAAAAAAAAAAAAAAAAAAAAABQAAAAAAAAAwMD/AAAAAABkAAAAMgAAAAAAAABkAAAAAAAAAH9/fwAKAAAAIgAAABgAAAAAAAAAAAAAAAAAAAAAAAAAAAAAAAAAAAAkAAAAJAAAAAAAAAAHAAAAAAAAAAAAAAAAAAAAAAAAAAAAAAAAAAAAf39/ACUAAABYAAAAAAAAAAAAAAAAAAAAAAAAAAAAAAAAAAAAAAAAAAAAAAAAAAAAAAAAAAAAAAA/AAAAAAAAAKCGAQAAAAAAAAAAAAAAAAAMAAAAAQAAAAAAAAAAAAAAAAAAAB8AAABUAAAAAAAABQAAAAEAAAAAAAAAAAAAAAAAAAAAAAAAAAAAAAAAAAAAAAAAAAAAAAJ/f38AAAAAA8zMzADAwP8Af39/AAAAAAAAAAAAAAAAAAAAAAAAAAAAIQAAABgAAAAUAAAAwAMAABsnAAA/FQAAWSkAABAAAAAmAAAACAAAAAAAAAAAAAAAMAAAABQAAAAAAAAAAAD//wAAAQAAAP//AAABAA=="/>
               </a:ext>
             </a:extLst>
           </p:cNvSpPr>
@@ -1880,7 +1880,7 @@
           <a:lstStyle/>
           <a:p>
             <a:pPr/>
-            <a:fld id="{3FC49C25-6BD2-916A-9C7C-9D3FD2326AC8}" type="datetime1">
+            <a:fld id="{3D143135-7BD0-41C7-9EAC-8D927FE268D8}" type="datetime1">
               <a:t/>
             </a:fld>
           </a:p>
@@ -1893,7 +1893,7 @@
             <a:spLocks noGrp="1" noChangeArrowheads="1"/>
             <a:extLst>
               <a:ext uri="smNativeData">
-                <pr:smNativeData xmlns:pr="smNativeData" xmlns="smNativeData" val="SMDATA_16_zLafZxMAAAAlAAAAZAAAAA8BAAAAkAAAAEgAAACQAAAASAAAAAAAAAABAAAAAAAAAAEAAABQAAAAAAAAAAAA4D8AAAAAAADgPwAAAAAAAOA/AAAAAAAA4D8AAAAAAADgPwAAAAAAAOA/AAAAAAAA4D8AAAAAAADgPwAAAAAAAOA/AAAAAAAA4D8CAAAAjAAAAAAAAAAAAAAAu+DjDP///wgAAAAAAAAAAAAAAAAAAAAAAAAAAAAAAAAAAAAAZAAAAAEAAABAAAAAAAAAAAAAAAAAAAAAAAAAAAAAAAAAAAAAAAAAAAAAAAAAAAAAAAAAAAAAAAAAAAAAAAAAAAAAAAAAAAAAAAAAAAAAAAAAAAAAAAAAAAAAAAAAAAAAFAAAADwAAAAAAAAAAAAAAAAAAAkUAAAAAQAAABQAAAAUAAAAFAAAAAEAAAAAAAAAZAAAAGQAAAAAAAAAZAAAAGQAAAAVAAAAYAAAAAAAAAAAAAAADwAAACADAAAAAAAAAAAAAAEAAACgMgAAVgcAAKr4//8BAAAAf39/AAEAAABkAAAAAAAAABQAAABAHwAAAAAAACYAAAAAAAAAwOD//wAAAAAmAAAAZAAAABYAAABMAAAAAAAAAAAAAAAEAAAAAAAAAAEAAACAgIAKAAAAACgAAAAoAAAAZAAAAGQAAAAAAAAAzMzMAAAAAABQAAAAUAAAAGQAAABkAAAAAAAAABcAAAAUAAAAAAAAAAAAAAD/fwAA/38AAAAAAAAJAAAABAAAANw7IAEeAAAAaAAAAAAAAAAAAAAAAAAAAAAAAAAAAAAAECcAABAnAAAAAAAAAAAAAAAAAAAAAAAAAAAAAAAAAAAAAAAAAAAAABQAAAAAAAAAwMD/AAAAAABkAAAAMgAAAAAAAABkAAAAAAAAAH9/fwAKAAAAIgAAABgAAAAAAAAAAAAAAAAAAAAAAAAAAAAAAAAAAAAkAAAAJAAAAAAAAAAHAAAAAAAAAAAAAAAAAAAAAAAAAAAAAAAAAAAAf39/ACUAAABYAAAAAAAAAAAAAAAAAAAAAAAAAAAAAAAAAAAAAAAAAAAAAAAAAAAAAAAAAAAAAAA/AAAAAAAAAKCGAQAAAAAAAAAAAAAAAAAMAAAAAQAAAAAAAAAAAAAAAAAAAB8AAABUAAAAAAAABQAAAAEAAAAAAAAAAAAAAAAAAAAAAAAAAAAAAAAAAAAAAAAAAAAAAAJ/f38AAAAAA8zMzADAwP8Af39/AAAAAAAAAAAAAAAAAAAAAAAAAAAAIQAAABgAAAAUAAAAoRkAABsnAABfMQAAWSkAABAAAAAmAAAACAAAAAAAAAAAAAAAMAAAABQAAAAAAAAAAAD//wAAAQAAAP//AAABAA=="/>
+                <pr:smNativeData xmlns:pr="smNativeData" xmlns="smNativeData" val="SMDATA_16_yvWgZxMAAAAlAAAAZAAAAA8BAAAAkAAAAEgAAACQAAAASAAAAAAAAAABAAAAAAAAAAEAAABQAAAAAAAAAAAA4D8AAAAAAADgPwAAAAAAAOA/AAAAAAAA4D8AAAAAAADgPwAAAAAAAOA/AAAAAAAA4D8AAAAAAADgPwAAAAAAAOA/AAAAAAAA4D8CAAAAjAAAAAAAAAAAAAAAu+DjDP///wgAAAAAAAAAAAAAAAAAAAAAAAAAAAAAAAAAAAAAZAAAAAEAAABAAAAAAAAAAAAAAAAAAAAAAAAAAAAAAAAAAAAAAAAAAAAAAAAAAAAAAAAAAAAAAAAAAAAAAAAAAAAAAAAAAAAAAAAAAAAAAAAAAAAAAAAAAAAAAAAAAAAAFAAAADwAAAAAAAAAAAAAAAAAAAkUAAAAAQAAABQAAAAUAAAAFAAAAAEAAAAAAAAAZAAAAGQAAAAAAAAAZAAAAGQAAAAVAAAAYAAAAAAAAAAAAAAADwAAACADAAAAAAAAAAAAAAEAAACgMgAAVgcAAKr4//8BAAAAf39/AAEAAABkAAAAAAAAABQAAABAHwAAAAAAACYAAAAAAAAAwOD//wAAAAAmAAAAZAAAABYAAABMAAAAAAAAAAAAAAAEAAAAAAAAAAEAAACAgIAKAAAAACgAAAAoAAAAZAAAAGQAAAAAAAAAzMzMAAAAAABQAAAAUAAAAGQAAABkAAAAAAAAABcAAAAUAAAAAAAAAAAAAAD/fwAA/38AAAAAAAAJAAAABAAAANw7IAEeAAAAaAAAAAAAAAAAAAAAAAAAAAAAAAAAAAAAECcAABAnAAAAAAAAAAAAAAAAAAAAAAAAAAAAAAAAAAAAAAAAAAAAABQAAAAAAAAAwMD/AAAAAABkAAAAMgAAAAAAAABkAAAAAAAAAH9/fwAKAAAAIgAAABgAAAAAAAAAAAAAAAAAAAAAAAAAAAAAAAAAAAAkAAAAJAAAAAAAAAAHAAAAAAAAAAAAAAAAAAAAAAAAAAAAAAAAAAAAf39/ACUAAABYAAAAAAAAAAAAAAAAAAAAAAAAAAAAAAAAAAAAAAAAAAAAAAAAAAAAAAAAAAAAAAA/AAAAAAAAAKCGAQAAAAAAAAAAAAAAAAAMAAAAAQAAAAAAAAAAAAAAAAAAAB8AAABUAAAAAAAABQAAAAEAAAAAAAAAAAAAAAAAAAAAAAAAAAAAAAAAAAAAAAAAAAAAAAJ/f38AAAAAA8zMzADAwP8Af39/AAAAAAAAAAAAAAAAAAAAAAAAAAAAIQAAABgAAAAUAAAAoRkAABsnAABfMQAAWSkAABAAAAAmAAAACAAAAAAAAAAAAAAAMAAAABQAAAAAAAAAAAD//wAAAQAAAP//AAABAA=="/>
               </a:ext>
             </a:extLst>
           </p:cNvSpPr>
@@ -1917,7 +1917,7 @@
             <a:spLocks noGrp="1" noChangeArrowheads="1"/>
             <a:extLst>
               <a:ext uri="smNativeData">
-                <pr:smNativeData xmlns:pr="smNativeData" xmlns="smNativeData" val="SMDATA_16_zLafZxMAAAAlAAAAZAAAAA8BAAAAkAAAAEgAAACQAAAASAAAAAAAAAABAAAAAAAAAAEAAABQAAAAAAAAAAAA4D8AAAAAAADgPwAAAAAAAOA/AAAAAAAA4D8AAAAAAADgPwAAAAAAAOA/AAAAAAAA4D8AAAAAAADgPwAAAAAAAOA/AAAAAAAA4D8CAAAAjAAAAAAAAAAAAAAAu+DjDP///wgAAAAAAAAAAAAAAAAAAAAAAAAAAAAAAAAAAAAAZAAAAAEAAABAAAAAAAAAAAAAAAAAAAAAAAAAAAAAAAAAAAAAAAAAAAAAAAAAAAAAAAAAAAAAAAAAAAAAAAAAAAAAAAAAAAAAAAAAAAAAAAAAAAAAAAAAAAAAAAAAAAAAFAAAADwAAAAAAAAAAAAAAAAAAAkUAAAAAQAAABQAAAAUAAAAFAAAAAEAAAAAAAAAZAAAAGQAAAAAAAAAZAAAAGQAAAAVAAAAYAAAAAAAAAAAAAAADwAAACADAAAAAAAAAAAAAAEAAACgMgAAVgcAAKr4//8BAAAAf39/AAEAAABkAAAAAAAAABQAAABAHwAAAAAAACYAAAAAAAAAwOD//wAAAAAmAAAAZAAAABYAAABMAAAAAAAAAAAAAAAEAAAAAAAAAAEAAACAgIAKAAAAACgAAAAoAAAAZAAAAGQAAAAAAAAAzMzMAAAAAABQAAAAUAAAAGQAAABkAAAAAAAAABcAAAAUAAAAAAAAAAAAAAD/fwAA/38AAAAAAAAJAAAABAAAANw7IAEeAAAAaAAAAAAAAAAAAAAAAAAAAAAAAAAAAAAAECcAABAnAAAAAAAAAAAAAAAAAAAAAAAAAAAAAAAAAAAAAAAAAAAAABQAAAAAAAAAwMD/AAAAAABkAAAAMgAAAAAAAABkAAAAAAAAAH9/fwAKAAAAIgAAABgAAAAAAAAAAAAAAAAAAAAAAAAAAAAAAAAAAAAkAAAAJAAAAAAAAAAHAAAAAAAAAAAAAAAAAAAAAAAAAAAAAAAAAAAAf39/ACUAAABYAAAAAAAAAAAAAAAAAAAAAAAAAAAAAAAAAAAAAAAAAAAAAAAAAAAAAAAAAAAAAAA/AAAAAAAAAKCGAQAAAAAAAAAAAAAAAAAMAAAAAQAAAAAAAAAAAAAAAAAAAB8AAABUAAAAAAAABQAAAAEAAAAAAAAAAAAAAAAAAAAAAAAAAAAAAAAAAAAAAAAAAAAAAAJ/f38AAAAAA8zMzADAwP8Af39/AAAAAAAAAAAAAAAAAAAAAAAAAAAAIQAAABgAAAAUAAAAwTUAABsnAABARwAAWSkAABAAAAAmAAAACAAAAAAAAAAAAAAAMAAAABQAAAAAAAAAAAD//wAAAQAAAP//AAABAA=="/>
+                <pr:smNativeData xmlns:pr="smNativeData" xmlns="smNativeData" val="SMDATA_16_yvWgZxMAAAAlAAAAZAAAAA8BAAAAkAAAAEgAAACQAAAASAAAAAAAAAABAAAAAAAAAAEAAABQAAAAAAAAAAAA4D8AAAAAAADgPwAAAAAAAOA/AAAAAAAA4D8AAAAAAADgPwAAAAAAAOA/AAAAAAAA4D8AAAAAAADgPwAAAAAAAOA/AAAAAAAA4D8CAAAAjAAAAAAAAAAAAAAAu+DjDP///wgAAAAAAAAAAAAAAAAAAAAAAAAAAAAAAAAAAAAAZAAAAAEAAABAAAAAAAAAAAAAAAAAAAAAAAAAAAAAAAAAAAAAAAAAAAAAAAAAAAAAAAAAAAAAAAAAAAAAAAAAAAAAAAAAAAAAAAAAAAAAAAAAAAAAAAAAAAAAAAAAAAAAFAAAADwAAAAAAAAAAAAAAAAAAAkUAAAAAQAAABQAAAAUAAAAFAAAAAEAAAAAAAAAZAAAAGQAAAAAAAAAZAAAAGQAAAAVAAAAYAAAAAAAAAAAAAAADwAAACADAAAAAAAAAAAAAAEAAACgMgAAVgcAAKr4//8BAAAAf39/AAEAAABkAAAAAAAAABQAAABAHwAAAAAAACYAAAAAAAAAwOD//wAAAAAmAAAAZAAAABYAAABMAAAAAAAAAAAAAAAEAAAAAAAAAAEAAACAgIAKAAAAACgAAAAoAAAAZAAAAGQAAAAAAAAAzMzMAAAAAABQAAAAUAAAAGQAAABkAAAAAAAAABcAAAAUAAAAAAAAAAAAAAD/fwAA/38AAAAAAAAJAAAABAAAANw7IAEeAAAAaAAAAAAAAAAAAAAAAAAAAAAAAAAAAAAAECcAABAnAAAAAAAAAAAAAAAAAAAAAAAAAAAAAAAAAAAAAAAAAAAAABQAAAAAAAAAwMD/AAAAAABkAAAAMgAAAAAAAABkAAAAAAAAAH9/fwAKAAAAIgAAABgAAAAAAAAAAAAAAAAAAAAAAAAAAAAAAAAAAAAkAAAAJAAAAAAAAAAHAAAAAAAAAAAAAAAAAAAAAAAAAAAAAAAAAAAAf39/ACUAAABYAAAAAAAAAAAAAAAAAAAAAAAAAAAAAAAAAAAAAAAAAAAAAAAAAAAAAAAAAAAAAAA/AAAAAAAAAKCGAQAAAAAAAAAAAAAAAAAMAAAAAQAAAAAAAAAAAAAAAAAAAB8AAABUAAAAAAAABQAAAAEAAAAAAAAAAAAAAAAAAAAAAAAAAAAAAAAAAAAAAAAAAAAAAAJ/f38AAAAAA8zMzADAwP8Af39/AAAAAAAAAAAAAAAAAAAAAAAAAAAAIQAAABgAAAAUAAAAwTUAABsnAABARwAAWSkAABAAAAAmAAAACAAAAAAAAAAAAAAAMAAAABQAAAAAAAAAAAD//wAAAQAAAP//AAABAA=="/>
               </a:ext>
             </a:extLst>
           </p:cNvSpPr>
@@ -1931,7 +1931,7 @@
           <a:lstStyle/>
           <a:p>
             <a:pPr/>
-            <a:fld id="{3FC4A83C-72D2-915E-9C7C-840BE6326AD1}" type="slidenum">
+            <a:fld id="{3D1429F2-BCD0-41DF-9EAC-4A8A67E2681F}" type="slidenum">
               <a:t/>
             </a:fld>
           </a:p>
@@ -1970,7 +1970,7 @@
             <a:spLocks noGrp="1" noChangeArrowheads="1"/>
             <a:extLst>
               <a:ext uri="smNativeData">
-                <pr:smNativeData xmlns:pr="smNativeData" xmlns="smNativeData" val="SMDATA_16_zLafZxMAAAAlAAAAZAAAAA8BAAAAkAAAAEgAAACQAAAASAAAAAAAAAABAAAAAAAAAAEAAABQAAAAAAAAAAAA4D8AAAAAAADgPwAAAAAAAOA/AAAAAAAA4D8AAAAAAADgPwAAAAAAAOA/AAAAAAAA4D8AAAAAAADgPwAAAAAAAOA/AAAAAAAA4D8CAAAAjAAAAAAAAAAAAAAAu+DjDP///wgAAAAAAAAAAAAAAAAAAAAAAAAAAAAAAAAAAAAAZAAAAAEAAABAAAAAAAAAAAAAAAAAAAAAAAAAAAAAAAAAAAAAAAAAAAAAAAAAAAAAAAAAAAAAAAAAAAAAAAAAAAAAAAAAAAAAAAAAAAAAAAAAAAAAAAAAAAAAAAAAAAAAFAAAADwAAAAAAAAAAAAAAAAAAAkUAAAAAQAAABQAAAAUAAAAFAAAAAEAAAAAAAAAZAAAAGQAAAAAAAAAZAAAAGQAAAAVAAAAYAAAAAAAAAAAAAAADwAAACADAAAAAAAAAAAAAAEAAACgMgAAVgcAAKr4//8BAAAAf39/AAEAAABkAAAAAAAAABQAAABAHwAAAAAAACYAAAAAAAAAwOD//wAAAAAmAAAAZAAAABYAAABMAAAAAAAAAAAAAAAEAAAAAAAAAAEAAACAgIAKAAAAACgAAAAoAAAAZAAAAGQAAAAAAAAAzMzMAAAAAABQAAAAUAAAAGQAAABkAAAAAAAAABcAAAAUAAAAAAAAAAAAAAD/fwAA/38AAAAAAAAJAAAABAAAANw7IAEeAAAAaAAAAAAAAAAAAAAAAAAAAAAAAAAAAAAAECcAABAnAAAAAAAAAAAAAAAAAAAAAAAAAAAAAAAAAAAAAAAAAAAAABQAAAAAAAAAwMD/AAAAAABkAAAAMgAAAAAAAABkAAAAAAAAAH9/fwAKAAAAIgAAABgAAAAAAAAAAAAAAAAAAAAAAAAAAAAAAAAAAAAkAAAAJAAAAAAAAAAHAAAAAAAAAAAAAAAAAAAAAAAAAAAAAAAAAAAAf39/ACUAAABYAAAAAAAAAAAAAAAAAAAAAAAAAAAAAAAAAAAAAAAAAAAAAAAAAAAAAAAAAAAAAAA/AAAAAAAAAKCGAQAAAAAAAAAAAAAAAAAMAAAAAQAAAAAAAAAAAAAAAAAAAB8AAABUAAAAAAAABQAAAAEAAAAAAAAAAAAAAAAAAAAAAAAAAAAAAAAAAAAAAAAAAAAAAAJ/f38AAAAAA8zMzADAwP8Af39/AAAAAAAAAAAAAAAAAAAAAAAAAAAAIQAAABgAAAAUAAAAwAMAALABAABARwAAuAgAABAAAAAmAAAACAAAAAAAAAAAAAAAMAAAABQAAAAAAAAAAAD//wAAAQAAAP//AAABAA=="/>
+                <pr:smNativeData xmlns:pr="smNativeData" xmlns="smNativeData" val="SMDATA_16_yvWgZxMAAAAlAAAAZAAAAA8BAAAAkAAAAEgAAACQAAAASAAAAAAAAAABAAAAAAAAAAEAAABQAAAAAAAAAAAA4D8AAAAAAADgPwAAAAAAAOA/AAAAAAAA4D8AAAAAAADgPwAAAAAAAOA/AAAAAAAA4D8AAAAAAADgPwAAAAAAAOA/AAAAAAAA4D8CAAAAjAAAAAAAAAAAAAAAu+DjDP///wgAAAAAAAAAAAAAAAAAAAAAAAAAAAAAAAAAAAAAZAAAAAEAAABAAAAAAAAAAAAAAAAAAAAAAAAAAAAAAAAAAAAAAAAAAAAAAAAAAAAAAAAAAAAAAAAAAAAAAAAAAAAAAAAAAAAAAAAAAAAAAAAAAAAAAAAAAAAAAAAAAAAAFAAAADwAAAAAAAAAAAAAAAAAAAkUAAAAAQAAABQAAAAUAAAAFAAAAAEAAAAAAAAAZAAAAGQAAAAAAAAAZAAAAGQAAAAVAAAAYAAAAAAAAAAAAAAADwAAACADAAAAAAAAAAAAAAEAAACgMgAAVgcAAKr4//8BAAAAf39/AAEAAABkAAAAAAAAABQAAABAHwAAAAAAACYAAAAAAAAAwOD//wAAAAAmAAAAZAAAABYAAABMAAAAAAAAAAAAAAAEAAAAAAAAAAEAAACAgIAKAAAAACgAAAAoAAAAZAAAAGQAAAAAAAAAzMzMAAAAAABQAAAAUAAAAGQAAABkAAAAAAAAABcAAAAUAAAAAAAAAAAAAAD/fwAA/38AAAAAAAAJAAAABAAAANw7IAEeAAAAaAAAAAAAAAAAAAAAAAAAAAAAAAAAAAAAECcAABAnAAAAAAAAAAAAAAAAAAAAAAAAAAAAAAAAAAAAAAAAAAAAABQAAAAAAAAAwMD/AAAAAABkAAAAMgAAAAAAAABkAAAAAAAAAH9/fwAKAAAAIgAAABgAAAAAAAAAAAAAAAAAAAAAAAAAAAAAAAAAAAAkAAAAJAAAAAAAAAAHAAAAAAAAAAAAAAAAAAAAAAAAAAAAAAAAAAAAf39/ACUAAABYAAAAAAAAAAAAAAAAAAAAAAAAAAAAAAAAAAAAAAAAAAAAAAAAAAAAAAAAAAAAAAA/AAAAAAAAAKCGAQAAAAAAAAAAAAAAAAAMAAAAAQAAAAAAAAAAAAAAAAAAAB8AAABUAAAAAAAABQAAAAEAAAAAAAAAAAAAAAAAAAAAAAAAAAAAAAAAAAAAAAAAAAAAAAJ/f38AAAAAA8zMzADAwP8Af39/AAAAAAAAAAAAAAAAAAAAAAAAAAAAIQAAABgAAAAUAAAAwAMAALABAABARwAAuAgAABAAAAAmAAAACAAAAAAAAAAAAAAAMAAAABQAAAAAAAAAAAD//wAAAQAAAP//AAABAA=="/>
               </a:ext>
             </a:extLst>
           </p:cNvSpPr>
@@ -1997,7 +1997,7 @@
             <a:spLocks noGrp="1" noChangeArrowheads="1"/>
             <a:extLst>
               <a:ext uri="smNativeData">
-                <pr:smNativeData xmlns:pr="smNativeData" xmlns="smNativeData" val="SMDATA_16_zLafZxMAAAAlAAAAZAAAAA8BAAAAkAAAAEgAAACQAAAASAAAAAAAAAABAAAAAAAAAAEAAABQAAAAAAAAAAAA4D8AAAAAAADgPwAAAAAAAOA/AAAAAAAA4D8AAAAAAADgPwAAAAAAAOA/AAAAAAAA4D8AAAAAAADgPwAAAAAAAOA/AAAAAAAA4D8CAAAAjAAAAAAAAAAAAAAAu+DjDP///wgAAAAAAAAAAAAAAAAAAAAAAAAAAAAAAAAAAAAAZAAAAAEAAABAAAAAAAAAAAAAAAAAAAAAAAAAAAAAAAAAAAAAAAAAAAAAAAAAAAAAAAAAAAAAAAAAAAAAAAAAAAAAAAAAAAAAAAAAAAAAAAAAAAAAAAAAAAAAAAAAAAAAFAAAADwAAAAAAAAAAAAAAAAAAAkUAAAAAQAAABQAAAAUAAAAFAAAAAEAAAAAAAAAZAAAAGQAAAAAAAAAZAAAAGQAAAAVAAAAYAAAAAAAAAAAAAAADwAAACADAAAAAAAAAAAAAAEAAACgMgAAVgcAAKr4//8BAAAAf39/AAEAAABkAAAAAAAAABQAAABAHwAAAAAAACYAAAAAAAAAwOD//wAAAAAmAAAAZAAAABYAAABMAAAAAAAAAAAAAAAEAAAAAAAAAAEAAACAgIAKAAAAACgAAAAoAAAAZAAAAGQAAAAAAAAAzMzMAAAAAABQAAAAUAAAAGQAAABkAAAAAAAAABcAAAAUAAAAAAAAAAAAAAD/fwAA/38AAAAAAAAJAAAABAAAANw7IAEeAAAAaAAAAAAAAAAAAAAAAAAAAAAAAAAAAAAAECcAABAnAAAAAAAAAAAAAAAAAAAAAAAAAAAAAAAAAAAAAAAAAAAAABQAAAAAAAAAwMD/AAAAAABkAAAAMgAAAAAAAABkAAAAAAAAAH9/fwAKAAAAIgAAABgAAAAAAAAAAAAAAAAAAAAAAAAAAAAAAAAAAAAkAAAAJAAAAAAAAAAHAAAAAAAAAAAAAAAAAAAAAAAAAAAAAAAAAAAAf39/ACUAAABYAAAAAAAAAAAAAAAAAAAAAAAAAAAAAAAAAAAAAAAAAAAAAAAAAAAAAAAAAAAAAAA/AAAAAAAAAKCGAQAAAAAAAAAAAAAAAAAMAAAAAQAAAAAAAAAAAAAAAAAAAB8AAABUAAAAAAAABQAAAAEAAAAAAAAAAAAAAAAAAAAAAAAAAAAAAAAAAAAAAAAAAAAAAAJ/f38AAAAAA8zMzADAwP8Af39/AAAAAAAAAAAAAAAAAAAAAAAAAAAAIQAAABgAAAAUAAAAwAMAABsnAAA/FQAAWSkAABAAAAAmAAAACAAAAAAAAAAAAAAAMAAAABQAAAAAAAAAAAD//wAAAQAAAP//AAABAA=="/>
+                <pr:smNativeData xmlns:pr="smNativeData" xmlns="smNativeData" val="SMDATA_16_yvWgZxMAAAAlAAAAZAAAAA8BAAAAkAAAAEgAAACQAAAASAAAAAAAAAABAAAAAAAAAAEAAABQAAAAAAAAAAAA4D8AAAAAAADgPwAAAAAAAOA/AAAAAAAA4D8AAAAAAADgPwAAAAAAAOA/AAAAAAAA4D8AAAAAAADgPwAAAAAAAOA/AAAAAAAA4D8CAAAAjAAAAAAAAAAAAAAAu+DjDP///wgAAAAAAAAAAAAAAAAAAAAAAAAAAAAAAAAAAAAAZAAAAAEAAABAAAAAAAAAAAAAAAAAAAAAAAAAAAAAAAAAAAAAAAAAAAAAAAAAAAAAAAAAAAAAAAAAAAAAAAAAAAAAAAAAAAAAAAAAAAAAAAAAAAAAAAAAAAAAAAAAAAAAFAAAADwAAAAAAAAAAAAAAAAAAAkUAAAAAQAAABQAAAAUAAAAFAAAAAEAAAAAAAAAZAAAAGQAAAAAAAAAZAAAAGQAAAAVAAAAYAAAAAAAAAAAAAAADwAAACADAAAAAAAAAAAAAAEAAACgMgAAVgcAAKr4//8BAAAAf39/AAEAAABkAAAAAAAAABQAAABAHwAAAAAAACYAAAAAAAAAwOD//wAAAAAmAAAAZAAAABYAAABMAAAAAAAAAAAAAAAEAAAAAAAAAAEAAACAgIAKAAAAACgAAAAoAAAAZAAAAGQAAAAAAAAAzMzMAAAAAABQAAAAUAAAAGQAAABkAAAAAAAAABcAAAAUAAAAAAAAAAAAAAD/fwAA/38AAAAAAAAJAAAABAAAANw7IAEeAAAAaAAAAAAAAAAAAAAAAAAAAAAAAAAAAAAAECcAABAnAAAAAAAAAAAAAAAAAAAAAAAAAAAAAAAAAAAAAAAAAAAAABQAAAAAAAAAwMD/AAAAAABkAAAAMgAAAAAAAABkAAAAAAAAAH9/fwAKAAAAIgAAABgAAAAAAAAAAAAAAAAAAAAAAAAAAAAAAAAAAAAkAAAAJAAAAAAAAAAHAAAAAAAAAAAAAAAAAAAAAAAAAAAAAAAAAAAAf39/ACUAAABYAAAAAAAAAAAAAAAAAAAAAAAAAAAAAAAAAAAAAAAAAAAAAAAAAAAAAAAAAAAAAAA/AAAAAAAAAKCGAQAAAAAAAAAAAAAAAAAMAAAAAQAAAAAAAAAAAAAAAAAAAB8AAABUAAAAAAAABQAAAAEAAAAAAAAAAAAAAAAAAAAAAAAAAAAAAAAAAAAAAAAAAAAAAAJ/f38AAAAAA8zMzADAwP8Af39/AAAAAAAAAAAAAAAAAAAAAAAAAAAAIQAAABgAAAAUAAAAwAMAABsnAAA/FQAAWSkAABAAAAAmAAAACAAAAAAAAAAAAAAAMAAAABQAAAAAAAAAAAD//wAAAQAAAP//AAABAA=="/>
               </a:ext>
             </a:extLst>
           </p:cNvSpPr>
@@ -2011,7 +2011,7 @@
           <a:lstStyle/>
           <a:p>
             <a:pPr/>
-            <a:fld id="{3FC4EE86-C8D2-9118-9C7C-3E4DA0326A6B}" type="datetime1">
+            <a:fld id="{3D144EE1-AFD0-41B8-9EAC-59ED00E2680C}" type="datetime1">
               <a:t/>
             </a:fld>
           </a:p>
@@ -2024,7 +2024,7 @@
             <a:spLocks noGrp="1" noChangeArrowheads="1"/>
             <a:extLst>
               <a:ext uri="smNativeData">
-                <pr:smNativeData xmlns:pr="smNativeData" xmlns="smNativeData" val="SMDATA_16_zLafZxMAAAAlAAAAZAAAAA8BAAAAkAAAAEgAAACQAAAASAAAAAAAAAABAAAAAAAAAAEAAABQAAAAAAAAAAAA4D8AAAAAAADgPwAAAAAAAOA/AAAAAAAA4D8AAAAAAADgPwAAAAAAAOA/AAAAAAAA4D8AAAAAAADgPwAAAAAAAOA/AAAAAAAA4D8CAAAAjAAAAAAAAAAAAAAAu+DjDP///wgAAAAAAAAAAAAAAAAAAAAAAAAAAAAAAAAAAAAAZAAAAAEAAABAAAAAAAAAAAAAAAAAAAAAAAAAAAAAAAAAAAAAAAAAAAAAAAAAAAAAAAAAAAAAAAAAAAAAAAAAAAAAAAAAAAAAAAAAAAAAAAAAAAAAAAAAAAAAAAAAAAAAFAAAADwAAAAAAAAAAAAAAAAAAAkUAAAAAQAAABQAAAAUAAAAFAAAAAEAAAAAAAAAZAAAAGQAAAAAAAAAZAAAAGQAAAAVAAAAYAAAAAAAAAAAAAAADwAAACADAAAAAAAAAAAAAAEAAACgMgAAVgcAAKr4//8BAAAAf39/AAEAAABkAAAAAAAAABQAAABAHwAAAAAAACYAAAAAAAAAwOD//wAAAAAmAAAAZAAAABYAAABMAAAAAAAAAAAAAAAEAAAAAAAAAAEAAACAgIAKAAAAACgAAAAoAAAAZAAAAGQAAAAAAAAAzMzMAAAAAABQAAAAUAAAAGQAAABkAAAAAAAAABcAAAAUAAAAAAAAAAAAAAD/fwAA/38AAAAAAAAJAAAABAAAANw7IAEeAAAAaAAAAAAAAAAAAAAAAAAAAAAAAAAAAAAAECcAABAnAAAAAAAAAAAAAAAAAAAAAAAAAAAAAAAAAAAAAAAAAAAAABQAAAAAAAAAwMD/AAAAAABkAAAAMgAAAAAAAABkAAAAAAAAAH9/fwAKAAAAIgAAABgAAAAAAAAAAAAAAAAAAAAAAAAAAAAAAAAAAAAkAAAAJAAAAAAAAAAHAAAAAAAAAAAAAAAAAAAAAAAAAAAAAAAAAAAAf39/ACUAAABYAAAAAAAAAAAAAAAAAAAAAAAAAAAAAAAAAAAAAAAAAAAAAAAAAAAAAAAAAAAAAAA/AAAAAAAAAKCGAQAAAAAAAAAAAAAAAAAMAAAAAQAAAAAAAAAAAAAAAAAAAB8AAABUAAAAAAAABQAAAAEAAAAAAAAAAAAAAAAAAAAAAAAAAAAAAAAAAAAAAAAAAAAAAAJ/f38AAAAAA8zMzADAwP8Af39/AAAAAAAAAAAAAAAAAAAAAAAAAAAAIQAAABgAAAAUAAAAoRkAABsnAABfMQAAWSkAABAAAAAmAAAACAAAAAAAAAAAAAAAMAAAABQAAAAAAAAAAAD//wAAAQAAAP//AAABAA=="/>
+                <pr:smNativeData xmlns:pr="smNativeData" xmlns="smNativeData" val="SMDATA_16_yvWgZxMAAAAlAAAAZAAAAA8BAAAAkAAAAEgAAACQAAAASAAAAAAAAAABAAAAAAAAAAEAAABQAAAAAAAAAAAA4D8AAAAAAADgPwAAAAAAAOA/AAAAAAAA4D8AAAAAAADgPwAAAAAAAOA/AAAAAAAA4D8AAAAAAADgPwAAAAAAAOA/AAAAAAAA4D8CAAAAjAAAAAAAAAAAAAAAu+DjDP///wgAAAAAAAAAAAAAAAAAAAAAAAAAAAAAAAAAAAAAZAAAAAEAAABAAAAAAAAAAAAAAAAAAAAAAAAAAAAAAAAAAAAAAAAAAAAAAAAAAAAAAAAAAAAAAAAAAAAAAAAAAAAAAAAAAAAAAAAAAAAAAAAAAAAAAAAAAAAAAAAAAAAAFAAAADwAAAAAAAAAAAAAAAAAAAkUAAAAAQAAABQAAAAUAAAAFAAAAAEAAAAAAAAAZAAAAGQAAAAAAAAAZAAAAGQAAAAVAAAAYAAAAAAAAAAAAAAADwAAACADAAAAAAAAAAAAAAEAAACgMgAAVgcAAKr4//8BAAAAf39/AAEAAABkAAAAAAAAABQAAABAHwAAAAAAACYAAAAAAAAAwOD//wAAAAAmAAAAZAAAABYAAABMAAAAAAAAAAAAAAAEAAAAAAAAAAEAAACAgIAKAAAAACgAAAAoAAAAZAAAAGQAAAAAAAAAzMzMAAAAAABQAAAAUAAAAGQAAABkAAAAAAAAABcAAAAUAAAAAAAAAAAAAAD/fwAA/38AAAAAAAAJAAAABAAAANw7IAEeAAAAaAAAAAAAAAAAAAAAAAAAAAAAAAAAAAAAECcAABAnAAAAAAAAAAAAAAAAAAAAAAAAAAAAAAAAAAAAAAAAAAAAABQAAAAAAAAAwMD/AAAAAABkAAAAMgAAAAAAAABkAAAAAAAAAH9/fwAKAAAAIgAAABgAAAAAAAAAAAAAAAAAAAAAAAAAAAAAAAAAAAAkAAAAJAAAAAAAAAAHAAAAAAAAAAAAAAAAAAAAAAAAAAAAAAAAAAAAf39/ACUAAABYAAAAAAAAAAAAAAAAAAAAAAAAAAAAAAAAAAAAAAAAAAAAAAAAAAAAAAAAAAAAAAA/AAAAAAAAAKCGAQAAAAAAAAAAAAAAAAAMAAAAAQAAAAAAAAAAAAAAAAAAAB8AAABUAAAAAAAABQAAAAEAAAAAAAAAAAAAAAAAAAAAAAAAAAAAAAAAAAAAAAAAAAAAAAJ/f38AAAAAA8zMzADAwP8Af39/AAAAAAAAAAAAAAAAAAAAAAAAAAAAIQAAABgAAAAUAAAAoRkAABsnAABfMQAAWSkAABAAAAAmAAAACAAAAAAAAAAAAAAAMAAAABQAAAAAAAAAAAD//wAAAQAAAP//AAABAA=="/>
               </a:ext>
             </a:extLst>
           </p:cNvSpPr>
@@ -2048,7 +2048,7 @@
             <a:spLocks noGrp="1" noChangeArrowheads="1"/>
             <a:extLst>
               <a:ext uri="smNativeData">
-                <pr:smNativeData xmlns:pr="smNativeData" xmlns="smNativeData" val="SMDATA_16_zLafZxMAAAAlAAAAZAAAAA8BAAAAkAAAAEgAAACQAAAASAAAAAAAAAABAAAAAAAAAAEAAABQAAAAAAAAAAAA4D8AAAAAAADgPwAAAAAAAOA/AAAAAAAA4D8AAAAAAADgPwAAAAAAAOA/AAAAAAAA4D8AAAAAAADgPwAAAAAAAOA/AAAAAAAA4D8CAAAAjAAAAAAAAAAAAAAAu+DjDP///wgAAAAAAAAAAAAAAAAAAAAAAAAAAAAAAAAAAAAAZAAAAAEAAABAAAAAAAAAAAAAAAAAAAAAAAAAAAAAAAAAAAAAAAAAAAAAAAAAAAAAAAAAAAAAAAAAAAAAAAAAAAAAAAAAAAAAAAAAAAAAAAAAAAAAAAAAAAAAAAAAAAAAFAAAADwAAAAAAAAAAAAAAAAAAAkUAAAAAQAAABQAAAAUAAAAFAAAAAEAAAAAAAAAZAAAAGQAAAAAAAAAZAAAAGQAAAAVAAAAYAAAAAAAAAAAAAAADwAAACADAAAAAAAAAAAAAAEAAACgMgAAVgcAAKr4//8BAAAAf39/AAEAAABkAAAAAAAAABQAAABAHwAAAAAAACYAAAAAAAAAwOD//wAAAAAmAAAAZAAAABYAAABMAAAAAAAAAAAAAAAEAAAAAAAAAAEAAACAgIAKAAAAACgAAAAoAAAAZAAAAGQAAAAAAAAAzMzMAAAAAABQAAAAUAAAAGQAAABkAAAAAAAAABcAAAAUAAAAAAAAAAAAAAD/fwAA/38AAAAAAAAJAAAABAAAANw7IAEeAAAAaAAAAAAAAAAAAAAAAAAAAAAAAAAAAAAAECcAABAnAAAAAAAAAAAAAAAAAAAAAAAAAAAAAAAAAAAAAAAAAAAAABQAAAAAAAAAwMD/AAAAAABkAAAAMgAAAAAAAABkAAAAAAAAAH9/fwAKAAAAIgAAABgAAAAAAAAAAAAAAAAAAAAAAAAAAAAAAAAAAAAkAAAAJAAAAAAAAAAHAAAAAAAAAAAAAAAAAAAAAAAAAAAAAAAAAAAAf39/ACUAAABYAAAAAAAAAAAAAAAAAAAAAAAAAAAAAAAAAAAAAAAAAAAAAAAAAAAAAAAAAAAAAAA/AAAAAAAAAKCGAQAAAAAAAAAAAAAAAAAMAAAAAQAAAAAAAAAAAAAAAAAAAB8AAABUAAAAAAAABQAAAAEAAAAAAAAAAAAAAAAAAAAAAAAAAAAAAAAAAAAAAAAAAAAAAAJ/f38AAAAAA8zMzADAwP8Af39/AAAAAAAAAAAAAAAAAAAAAAAAAAAAIQAAABgAAAAUAAAAwTUAABsnAABARwAAWSkAABAAAAAmAAAACAAAAAAAAAAAAAAAMAAAABQAAAAAAAAAAAD//wAAAQAAAP//AAABAA=="/>
+                <pr:smNativeData xmlns:pr="smNativeData" xmlns="smNativeData" val="SMDATA_16_yvWgZxMAAAAlAAAAZAAAAA8BAAAAkAAAAEgAAACQAAAASAAAAAAAAAABAAAAAAAAAAEAAABQAAAAAAAAAAAA4D8AAAAAAADgPwAAAAAAAOA/AAAAAAAA4D8AAAAAAADgPwAAAAAAAOA/AAAAAAAA4D8AAAAAAADgPwAAAAAAAOA/AAAAAAAA4D8CAAAAjAAAAAAAAAAAAAAAu+DjDP///wgAAAAAAAAAAAAAAAAAAAAAAAAAAAAAAAAAAAAAZAAAAAEAAABAAAAAAAAAAAAAAAAAAAAAAAAAAAAAAAAAAAAAAAAAAAAAAAAAAAAAAAAAAAAAAAAAAAAAAAAAAAAAAAAAAAAAAAAAAAAAAAAAAAAAAAAAAAAAAAAAAAAAFAAAADwAAAAAAAAAAAAAAAAAAAkUAAAAAQAAABQAAAAUAAAAFAAAAAEAAAAAAAAAZAAAAGQAAAAAAAAAZAAAAGQAAAAVAAAAYAAAAAAAAAAAAAAADwAAACADAAAAAAAAAAAAAAEAAACgMgAAVgcAAKr4//8BAAAAf39/AAEAAABkAAAAAAAAABQAAABAHwAAAAAAACYAAAAAAAAAwOD//wAAAAAmAAAAZAAAABYAAABMAAAAAAAAAAAAAAAEAAAAAAAAAAEAAACAgIAKAAAAACgAAAAoAAAAZAAAAGQAAAAAAAAAzMzMAAAAAABQAAAAUAAAAGQAAABkAAAAAAAAABcAAAAUAAAAAAAAAAAAAAD/fwAA/38AAAAAAAAJAAAABAAAANw7IAEeAAAAaAAAAAAAAAAAAAAAAAAAAAAAAAAAAAAAECcAABAnAAAAAAAAAAAAAAAAAAAAAAAAAAAAAAAAAAAAAAAAAAAAABQAAAAAAAAAwMD/AAAAAABkAAAAMgAAAAAAAABkAAAAAAAAAH9/fwAKAAAAIgAAABgAAAAAAAAAAAAAAAAAAAAAAAAAAAAAAAAAAAAkAAAAJAAAAAAAAAAHAAAAAAAAAAAAAAAAAAAAAAAAAAAAAAAAAAAAf39/ACUAAABYAAAAAAAAAAAAAAAAAAAAAAAAAAAAAAAAAAAAAAAAAAAAAAAAAAAAAAAAAAAAAAA/AAAAAAAAAKCGAQAAAAAAAAAAAAAAAAAMAAAAAQAAAAAAAAAAAAAAAAAAAB8AAABUAAAAAAAABQAAAAEAAAAAAAAAAAAAAAAAAAAAAAAAAAAAAAAAAAAAAAAAAAAAAAJ/f38AAAAAA8zMzADAwP8Af39/AAAAAAAAAAAAAAAAAAAAAAAAAAAAIQAAABgAAAAUAAAAwTUAABsnAABARwAAWSkAABAAAAAmAAAACAAAAAAAAAAAAAAAMAAAABQAAAAAAAAAAAD//wAAAQAAAP//AAABAA=="/>
               </a:ext>
             </a:extLst>
           </p:cNvSpPr>
@@ -2062,7 +2062,7 @@
           <a:lstStyle/>
           <a:p>
             <a:pPr/>
-            <a:fld id="{3FC4E076-38D2-9116-9C7C-CE43AE326A9B}" type="slidenum">
+            <a:fld id="{3D144C0B-45D0-41BA-9EAC-B3EF02E268E6}" type="slidenum">
               <a:t/>
             </a:fld>
           </a:p>
@@ -2101,7 +2101,7 @@
             <a:spLocks noGrp="1" noChangeArrowheads="1"/>
             <a:extLst>
               <a:ext uri="smNativeData">
-                <pr:smNativeData xmlns:pr="smNativeData" xmlns="smNativeData" val="SMDATA_16_zLafZxMAAAAlAAAAZAAAAA8BAAAAkAAAAEgAAACQAAAASAAAAAAAAAABAAAAAAAAAAEAAABQAAAAAAAAAAAA4D8AAAAAAADgPwAAAAAAAOA/AAAAAAAA4D8AAAAAAADgPwAAAAAAAOA/AAAAAAAA4D8AAAAAAADgPwAAAAAAAOA/AAAAAAAA4D8CAAAAjAAAAAAAAAAAAAAAu+DjDP///wgAAAAAAAAAAAAAAAAAAAAAAAAAAAAAAAAAAAAAZAAAAAEAAABAAAAAAAAAAAAAAAAAAAAAAAAAAAAAAAAAAAAAAAAAAAAAAAAAAAAAAAAAAAAAAAAAAAAAAAAAAAAAAAAAAAAAAAAAAAAAAAAAAAAAAAAAAAAAAAAAAAAAFAAAADwAAAAAAAAAAAAAAAAAAAkUAAAAAQAAABQAAAAUAAAAFAAAAAEAAAAAAAAAZAAAAGQAAAAAAAAAZAAAAGQAAAAVAAAAYAAAAAAAAAAAAAAADwAAACADAAAAAAAAAAAAAAEAAACgMgAAVgcAAKr4//8BAAAAf39/AAEAAABkAAAAAAAAABQAAABAHwAAAAAAACYAAAAAAAAAwOD//wAAAAAmAAAAZAAAABYAAABMAAAAAAAAAAAAAAAEAAAAAAAAAAEAAACAgIAKAAAAACgAAAAoAAAAZAAAAGQAAAAAAAAAzMzMAAAAAABQAAAAUAAAAGQAAABkAAAAAAAAABcAAAAUAAAAAAAAAAAAAAD/fwAA/38AAAAAAAAJAAAABAAAANw7IAEeAAAAaAAAAAAAAAAAAAAAAAAAAAAAAAAAAAAAECcAABAnAAAAAAAAAAAAAAAAAAAAAAAAAAAAAAAAAAAAAAAAAAAAABQAAAAAAAAAwMD/AAAAAABkAAAAMgAAAAAAAABkAAAAAAAAAH9/fwAKAAAAIgAAABgAAAAAAAAAAAAAAAAAAAAAAAAAAAAAAAAAAAAkAAAAJAAAAAAAAAAHAAAAAAAAAAAAAAAAAAAAAAAAAAAAAAAAAAAAf39/ACUAAABYAAAAAAAAAAAAAAAAAAAAAAAAAAAAAAAAAAAAAAAAAAAAAAAAAAAAAAAAAAAAAAA/AAAAAAAAAKCGAQAAAAAAAAAAAAAAAAAMAAAAAQAAAAAAAAAAAAAAAAAAAB8AAABUAAAAAAAABQAAAAEAAAAAAAAAAAAAAAAAAAAAAAAAAAAAAAAAAAAAAAAAAAAAAAJ/f38AAAAAA8zMzADAwP8Af39/AAAAAAAAAAAAAAAAAAAAAAAAAAAAIQAAABgAAAAUAAAAwAMAABsnAAA/FQAAWSkAABAAAAAmAAAACAAAAAAAAAAAAAAAMAAAABQAAAAAAAAAAAD//wAAAQAAAP//AAABAA=="/>
+                <pr:smNativeData xmlns:pr="smNativeData" xmlns="smNativeData" val="SMDATA_16_yvWgZxMAAAAlAAAAZAAAAA8BAAAAkAAAAEgAAACQAAAASAAAAAAAAAABAAAAAAAAAAEAAABQAAAAAAAAAAAA4D8AAAAAAADgPwAAAAAAAOA/AAAAAAAA4D8AAAAAAADgPwAAAAAAAOA/AAAAAAAA4D8AAAAAAADgPwAAAAAAAOA/AAAAAAAA4D8CAAAAjAAAAAAAAAAAAAAAu+DjDP///wgAAAAAAAAAAAAAAAAAAAAAAAAAAAAAAAAAAAAAZAAAAAEAAABAAAAAAAAAAAAAAAAAAAAAAAAAAAAAAAAAAAAAAAAAAAAAAAAAAAAAAAAAAAAAAAAAAAAAAAAAAAAAAAAAAAAAAAAAAAAAAAAAAAAAAAAAAAAAAAAAAAAAFAAAADwAAAAAAAAAAAAAAAAAAAkUAAAAAQAAABQAAAAUAAAAFAAAAAEAAAAAAAAAZAAAAGQAAAAAAAAAZAAAAGQAAAAVAAAAYAAAAAAAAAAAAAAADwAAACADAAAAAAAAAAAAAAEAAACgMgAAVgcAAKr4//8BAAAAf39/AAEAAABkAAAAAAAAABQAAABAHwAAAAAAACYAAAAAAAAAwOD//wAAAAAmAAAAZAAAABYAAABMAAAAAAAAAAAAAAAEAAAAAAAAAAEAAACAgIAKAAAAACgAAAAoAAAAZAAAAGQAAAAAAAAAzMzMAAAAAABQAAAAUAAAAGQAAABkAAAAAAAAABcAAAAUAAAAAAAAAAAAAAD/fwAA/38AAAAAAAAJAAAABAAAANw7IAEeAAAAaAAAAAAAAAAAAAAAAAAAAAAAAAAAAAAAECcAABAnAAAAAAAAAAAAAAAAAAAAAAAAAAAAAAAAAAAAAAAAAAAAABQAAAAAAAAAwMD/AAAAAABkAAAAMgAAAAAAAABkAAAAAAAAAH9/fwAKAAAAIgAAABgAAAAAAAAAAAAAAAAAAAAAAAAAAAAAAAAAAAAkAAAAJAAAAAAAAAAHAAAAAAAAAAAAAAAAAAAAAAAAAAAAAAAAAAAAf39/ACUAAABYAAAAAAAAAAAAAAAAAAAAAAAAAAAAAAAAAAAAAAAAAAAAAAAAAAAAAAAAAAAAAAA/AAAAAAAAAKCGAQAAAAAAAAAAAAAAAAAMAAAAAQAAAAAAAAAAAAAAAAAAAB8AAABUAAAAAAAABQAAAAEAAAAAAAAAAAAAAAAAAAAAAAAAAAAAAAAAAAAAAAAAAAAAAAJ/f38AAAAAA8zMzADAwP8Af39/AAAAAAAAAAAAAAAAAAAAAAAAAAAAIQAAABgAAAAUAAAAwAMAABsnAAA/FQAAWSkAABAAAAAmAAAACAAAAAAAAAAAAAAAMAAAABQAAAAAAAAAAAD//wAAAQAAAP//AAABAA=="/>
               </a:ext>
             </a:extLst>
           </p:cNvSpPr>
@@ -2115,7 +2115,7 @@
           <a:lstStyle/>
           <a:p>
             <a:pPr/>
-            <a:fld id="{3FC4800E-40D2-9176-9C7C-B623CE326AE3}" type="datetime1">
+            <a:fld id="{3D145E0D-43D0-41A8-9EAC-B5FD10E268E0}" type="datetime1">
               <a:t/>
             </a:fld>
           </a:p>
@@ -2128,7 +2128,7 @@
             <a:spLocks noGrp="1" noChangeArrowheads="1"/>
             <a:extLst>
               <a:ext uri="smNativeData">
-                <pr:smNativeData xmlns:pr="smNativeData" xmlns="smNativeData" val="SMDATA_16_zLafZxMAAAAlAAAAZAAAAA8BAAAAkAAAAEgAAACQAAAASAAAAAAAAAABAAAAAAAAAAEAAABQAAAAAAAAAAAA4D8AAAAAAADgPwAAAAAAAOA/AAAAAAAA4D8AAAAAAADgPwAAAAAAAOA/AAAAAAAA4D8AAAAAAADgPwAAAAAAAOA/AAAAAAAA4D8CAAAAjAAAAAAAAAAAAAAAu+DjDP///wgAAAAAAAAAAAAAAAAAAAAAAAAAAAAAAAAAAAAAZAAAAAEAAABAAAAAAAAAAAAAAAAAAAAAAAAAAAAAAAAAAAAAAAAAAAAAAAAAAAAAAAAAAAAAAAAAAAAAAAAAAAAAAAAAAAAAAAAAAAAAAAAAAAAAAAAAAAAAAAAAAAAAFAAAADwAAAAAAAAAAAAAAAAAAAkUAAAAAQAAABQAAAAUAAAAFAAAAAEAAAAAAAAAZAAAAGQAAAAAAAAAZAAAAGQAAAAVAAAAYAAAAAAAAAAAAAAADwAAACADAAAAAAAAAAAAAAEAAACgMgAAVgcAAKr4//8BAAAAf39/AAEAAABkAAAAAAAAABQAAABAHwAAAAAAACYAAAAAAAAAwOD//wAAAAAmAAAAZAAAABYAAABMAAAAAAAAAAAAAAAEAAAAAAAAAAEAAACAgIAKAAAAACgAAAAoAAAAZAAAAGQAAAAAAAAAzMzMAAAAAABQAAAAUAAAAGQAAABkAAAAAAAAABcAAAAUAAAAAAAAAAAAAAD/fwAA/38AAAAAAAAJAAAABAAAAAAAAAAeAAAAaAAAAAAAAAAAAAAAAAAAAAAAAAAAAAAAECcAABAnAAAAAAAAAAAAAAAAAAAAAAAAAAAAAAAAAAAAAAAAAAAAABQAAAAAAAAAwMD/AAAAAABkAAAAMgAAAAAAAABkAAAAAAAAAH9/fwAKAAAAIgAAABgAAAAAAAAAAAAAAAAAAAAAAAAAAAAAAAAAAAAkAAAAJAAAAAAAAAAHAAAAAAAAAAAAAAAAAAAAAAAAAAAAAAAAAAAAf39/ACUAAABYAAAAAAAAAAAAAAAAAAAAAAAAAAAAAAAAAAAAAAAAAAAAAAAAAAAAAAAAAAAAAAA/AAAAAAAAAKCGAQAAAAAAAAAAAAAAAAAMAAAAAQAAAAAAAAAAAAAAAAAAAB8AAABUAAAAAAAABQAAAAEAAAAAAAAAAAAAAAAAAAAAAAAAAAAAAAAAAAAAAAAAAAAAAAJ/f38AAAAAA8zMzADAwP8Af39/AAAAAAAAAAAAAAAAAAAAAAAAAAAAIQAAABgAAAAUAAAAoRkAABsnAABfMQAAWSkAABAAAAAmAAAACAAAAAAAAAAAAAAAMAAAABQAAAAAAAAAAAD//wAAAQAAAP//AAABAA=="/>
+                <pr:smNativeData xmlns:pr="smNativeData" xmlns="smNativeData" val="SMDATA_16_yvWgZxMAAAAlAAAAZAAAAA8BAAAAkAAAAEgAAACQAAAASAAAAAAAAAABAAAAAAAAAAEAAABQAAAAAAAAAAAA4D8AAAAAAADgPwAAAAAAAOA/AAAAAAAA4D8AAAAAAADgPwAAAAAAAOA/AAAAAAAA4D8AAAAAAADgPwAAAAAAAOA/AAAAAAAA4D8CAAAAjAAAAAAAAAAAAAAAu+DjDP///wgAAAAAAAAAAAAAAAAAAAAAAAAAAAAAAAAAAAAAZAAAAAEAAABAAAAAAAAAAAAAAAAAAAAAAAAAAAAAAAAAAAAAAAAAAAAAAAAAAAAAAAAAAAAAAAAAAAAAAAAAAAAAAAAAAAAAAAAAAAAAAAAAAAAAAAAAAAAAAAAAAAAAFAAAADwAAAAAAAAAAAAAAAAAAAkUAAAAAQAAABQAAAAUAAAAFAAAAAEAAAAAAAAAZAAAAGQAAAAAAAAAZAAAAGQAAAAVAAAAYAAAAAAAAAAAAAAADwAAACADAAAAAAAAAAAAAAEAAACgMgAAVgcAAKr4//8BAAAAf39/AAEAAABkAAAAAAAAABQAAABAHwAAAAAAACYAAAAAAAAAwOD//wAAAAAmAAAAZAAAABYAAABMAAAAAAAAAAAAAAAEAAAAAAAAAAEAAACAgIAKAAAAACgAAAAoAAAAZAAAAGQAAAAAAAAAzMzMAAAAAABQAAAAUAAAAGQAAABkAAAAAAAAABcAAAAUAAAAAAAAAAAAAAD/fwAA/38AAAAAAAAJAAAABAAAAAAAAAAeAAAAaAAAAAAAAAAAAAAAAAAAAAAAAAAAAAAAECcAABAnAAAAAAAAAAAAAAAAAAAAAAAAAAAAAAAAAAAAAAAAAAAAABQAAAAAAAAAwMD/AAAAAABkAAAAMgAAAAAAAABkAAAAAAAAAH9/fwAKAAAAIgAAABgAAAAAAAAAAAAAAAAAAAAAAAAAAAAAAAAAAAAkAAAAJAAAAAAAAAAHAAAAAAAAAAAAAAAAAAAAAAAAAAAAAAAAAAAAf39/ACUAAABYAAAAAAAAAAAAAAAAAAAAAAAAAAAAAAAAAAAAAAAAAAAAAAAAAAAAAAAAAAAAAAA/AAAAAAAAAKCGAQAAAAAAAAAAAAAAAAAMAAAAAQAAAAAAAAAAAAAAAAAAAB8AAABUAAAAAAAABQAAAAEAAAAAAAAAAAAAAAAAAAAAAAAAAAAAAAAAAAAAAAAAAAAAAAJ/f38AAAAAA8zMzADAwP8Af39/AAAAAAAAAAAAAAAAAAAAAAAAAAAAIQAAABgAAAAUAAAAoRkAABsnAABfMQAAWSkAABAAAAAmAAAACAAAAAAAAAAAAAAAMAAAABQAAAAAAAAAAAD//wAAAQAAAP//AAABAA=="/>
               </a:ext>
             </a:extLst>
           </p:cNvSpPr>
@@ -2152,7 +2152,7 @@
             <a:spLocks noGrp="1" noChangeArrowheads="1"/>
             <a:extLst>
               <a:ext uri="smNativeData">
-                <pr:smNativeData xmlns:pr="smNativeData" xmlns="smNativeData" val="SMDATA_16_zLafZxMAAAAlAAAAZAAAAA8BAAAAkAAAAEgAAACQAAAASAAAAAAAAAABAAAAAAAAAAEAAABQAAAAAAAAAAAA4D8AAAAAAADgPwAAAAAAAOA/AAAAAAAA4D8AAAAAAADgPwAAAAAAAOA/AAAAAAAA4D8AAAAAAADgPwAAAAAAAOA/AAAAAAAA4D8CAAAAjAAAAAAAAAAAAAAAu+DjDP///wgAAAAAAAAAAAAAAAAAAAAAAAAAAAAAAAAAAAAAZAAAAAEAAABAAAAAAAAAAAAAAAAAAAAAAAAAAAAAAAAAAAAAAAAAAAAAAAAAAAAAAAAAAAAAAAAAAAAAAAAAAAAAAAAAAAAAAAAAAAAAAAAAAAAAAAAAAAAAAAAAAAAAFAAAADwAAAAAAAAAAAAAAAAAAAkUAAAAAQAAABQAAAAUAAAAFAAAAAEAAAAAAAAAZAAAAGQAAAAAAAAAZAAAAGQAAAAVAAAAYAAAAAAAAAAAAAAADwAAACADAAAAAAAAAAAAAAEAAACgMgAAVgcAAKr4//8BAAAAf39/AAEAAABkAAAAAAAAABQAAABAHwAAAAAAACYAAAAAAAAAwOD//wAAAAAmAAAAZAAAABYAAABMAAAAAAAAAAAAAAAEAAAAAAAAAAEAAACAgIAKAAAAACgAAAAoAAAAZAAAAGQAAAAAAAAAzMzMAAAAAABQAAAAUAAAAGQAAABkAAAAAAAAABcAAAAUAAAAAAAAAAAAAAD/fwAA/38AAAAAAAAJAAAABAAAAAAAAAAeAAAAaAAAAAAAAAAAAAAAAAAAAAAAAAAAAAAAECcAABAnAAAAAAAAAAAAAAAAAAAAAAAAAAAAAAAAAAAAAAAAAAAAABQAAAAAAAAAwMD/AAAAAABkAAAAMgAAAAAAAABkAAAAAAAAAH9/fwAKAAAAIgAAABgAAAAAAAAAAAAAAAAAAAAAAAAAAAAAAAAAAAAkAAAAJAAAAAAAAAAHAAAAAAAAAAAAAAAAAAAAAAAAAAAAAAAAAAAAf39/ACUAAABYAAAAAAAAAAAAAAAAAAAAAAAAAAAAAAAAAAAAAAAAAAAAAAAAAAAAAAAAAAAAAAA/AAAAAAAAAKCGAQAAAAAAAAAAAAAAAAAMAAAAAQAAAAAAAAAAAAAAAAAAAB8AAABUAAAAAAAABQAAAAEAAAAAAAAAAAAAAAAAAAAAAAAAAAAAAAAAAAAAAAAAAAAAAAJ/f38AAAAAA8zMzADAwP8Af39/AAAAAAAAAAAAAAAAAAAAAAAAAAAAIQAAABgAAAAUAAAAwTUAABsnAABARwAAWSkAABAAAAAmAAAACAAAAAAAAAAAAAAAMAAAABQAAAAAAAAAAAD//wAAAQAAAP//AAABAA=="/>
+                <pr:smNativeData xmlns:pr="smNativeData" xmlns="smNativeData" val="SMDATA_16_yvWgZxMAAAAlAAAAZAAAAA8BAAAAkAAAAEgAAACQAAAASAAAAAAAAAABAAAAAAAAAAEAAABQAAAAAAAAAAAA4D8AAAAAAADgPwAAAAAAAOA/AAAAAAAA4D8AAAAAAADgPwAAAAAAAOA/AAAAAAAA4D8AAAAAAADgPwAAAAAAAOA/AAAAAAAA4D8CAAAAjAAAAAAAAAAAAAAAu+DjDP///wgAAAAAAAAAAAAAAAAAAAAAAAAAAAAAAAAAAAAAZAAAAAEAAABAAAAAAAAAAAAAAAAAAAAAAAAAAAAAAAAAAAAAAAAAAAAAAAAAAAAAAAAAAAAAAAAAAAAAAAAAAAAAAAAAAAAAAAAAAAAAAAAAAAAAAAAAAAAAAAAAAAAAFAAAADwAAAAAAAAAAAAAAAAAAAkUAAAAAQAAABQAAAAUAAAAFAAAAAEAAAAAAAAAZAAAAGQAAAAAAAAAZAAAAGQAAAAVAAAAYAAAAAAAAAAAAAAADwAAACADAAAAAAAAAAAAAAEAAACgMgAAVgcAAKr4//8BAAAAf39/AAEAAABkAAAAAAAAABQAAABAHwAAAAAAACYAAAAAAAAAwOD//wAAAAAmAAAAZAAAABYAAABMAAAAAAAAAAAAAAAEAAAAAAAAAAEAAACAgIAKAAAAACgAAAAoAAAAZAAAAGQAAAAAAAAAzMzMAAAAAABQAAAAUAAAAGQAAABkAAAAAAAAABcAAAAUAAAAAAAAAAAAAAD/fwAA/38AAAAAAAAJAAAABAAAAAAAAAAeAAAAaAAAAAAAAAAAAAAAAAAAAAAAAAAAAAAAECcAABAnAAAAAAAAAAAAAAAAAAAAAAAAAAAAAAAAAAAAAAAAAAAAABQAAAAAAAAAwMD/AAAAAABkAAAAMgAAAAAAAABkAAAAAAAAAH9/fwAKAAAAIgAAABgAAAAAAAAAAAAAAAAAAAAAAAAAAAAAAAAAAAAkAAAAJAAAAAAAAAAHAAAAAAAAAAAAAAAAAAAAAAAAAAAAAAAAAAAAf39/ACUAAABYAAAAAAAAAAAAAAAAAAAAAAAAAAAAAAAAAAAAAAAAAAAAAAAAAAAAAAAAAAAAAAA/AAAAAAAAAKCGAQAAAAAAAAAAAAAAAAAMAAAAAQAAAAAAAAAAAAAAAAAAAB8AAABUAAAAAAAABQAAAAEAAAAAAAAAAAAAAAAAAAAAAAAAAAAAAAAAAAAAAAAAAAAAAAJ/f38AAAAAA8zMzADAwP8Af39/AAAAAAAAAAAAAAAAAAAAAAAAAAAAIQAAABgAAAAUAAAAwTUAABsnAABARwAAWSkAABAAAAAmAAAACAAAAAAAAAAAAAAAMAAAABQAAAAAAAAAAAD//wAAAQAAAP//AAABAA=="/>
               </a:ext>
             </a:extLst>
           </p:cNvSpPr>
@@ -2166,7 +2166,7 @@
           <a:lstStyle/>
           <a:p>
             <a:pPr/>
-            <a:fld id="{3FC4BCFF-B1D2-914A-9C7C-471FF2326A12}" type="slidenum">
+            <a:fld id="{3D144F55-1BD0-41B9-9EAC-EDEC01E268B8}" type="slidenum">
               <a:t/>
             </a:fld>
           </a:p>
@@ -2205,7 +2205,7 @@
             <a:spLocks noGrp="1" noChangeArrowheads="1"/>
             <a:extLst>
               <a:ext uri="smNativeData">
-                <pr:smNativeData xmlns:pr="smNativeData" xmlns="smNativeData" val="SMDATA_16_zLafZxMAAAAlAAAAZAAAAA8BAAAAkAAAAEgAAACQAAAASAAAAAAAAAACAAAAAAAAAAEAAABQAAAAAAAAAAAA4D8AAAAAAADgPwAAAAAAAOA/AAAAAAAA4D8AAAAAAADgPwAAAAAAAOA/AAAAAAAA4D8AAAAAAADgPwAAAAAAAOA/AAAAAAAA4D8CAAAAjAAAAAAAAAAAAAAAu+DjDP///wgAAAAAAAAAAAAAAAAAAAAAAAAAAAAAAAAAAAAAZAAAAAEAAABAAAAAAAAAAAAAAAAAAAAAAAAAAAAAAAAAAAAAAAAAAAAAAAAAAAAAAAAAAAAAAAAAAAAAAAAAAAAAAAAAAAAAAAAAAAAAAAAAAAAAAAAAAAAAAAAAAAAAFAAAADwAAAAAAAAAAAAAAAAAAAkUAAAAAQAAABQAAAAUAAAAFAAAAAEAAAAAAAAAZAAAAGQAAAAAAAAAZAAAAGQAAAAVAAAAYAAAAAAAAAAAAAAADwAAACADAAAAAAAAAAAAAAEAAACgMgAAVgcAAKr4//8BAAAAf39/AAEAAABkAAAAAAAAABQAAABAHwAAAAAAACYAAAAAAAAAwOD//wAAAAAmAAAAZAAAABYAAABMAAAAAAAAAAAAAAAEAAAAAAAAAAEAAACAgIAKAAAAACgAAAAoAAAAZAAAAGQAAAAAAAAAzMzMAAAAAABQAAAAUAAAAGQAAABkAAAAAAAAABcAAAAUAAAAAAAAAAAAAAD/fwAA/38AAAAAAAAJAAAABAAAAAAAAAAeAAAAaAAAAAAAAAAAAAAAAAAAAAAAAAAAAAAAECcAABAnAAAAAAAAAAAAAAAAAAAAAAAAAAAAAAAAAAAAAAAAAAAAABQAAAAAAAAAwMD/AAAAAABkAAAAMgAAAAAAAABkAAAAAAAAAH9/fwAKAAAAIgAAABgAAAAAAAAAAAAAAAAAAAAAAAAAAAAAAAAAAAAkAAAAJAAAAAAAAAAHAAAAAAAAAAAAAAAAAAAAAAAAAAAAAAAAAAAAf39/ACUAAABYAAAAAAAAAAAAAAAAAAAAAAAAAAAAAAAAAAAAAAAAAAAAAAAAAAAAAAAAAAAAAAA/AAAAAAAAAKCGAQAAAAAAAAAAAAAAAAAMAAAAAQAAAAAAAAAAAAAAAAAAAB8AAABUAAAAAAAABQAAAAEAAAAAAAAAAAAAAAAAAAAAAAAAAAAAAAAAAAAAAAAAAAAAAAJ/f38AAAAAA8zMzADAwP8Af39/AAAAAAAAAAAAAAAAAAAAAAAAAAAAIQAAABgAAAAUAAAAwAMAAK4BAABtHAAA1AgAABAAAAAmAAAACAAAAIGAAAAAAAAAMAAAABQAAAAAAAAAAAD//wAAAQAAAP//AAABAA=="/>
+                <pr:smNativeData xmlns:pr="smNativeData" xmlns="smNativeData" val="SMDATA_16_yvWgZxMAAAAlAAAAZAAAAA8BAAAAkAAAAEgAAACQAAAASAAAAAAAAAACAAAAAAAAAAEAAABQAAAAAAAAAAAA4D8AAAAAAADgPwAAAAAAAOA/AAAAAAAA4D8AAAAAAADgPwAAAAAAAOA/AAAAAAAA4D8AAAAAAADgPwAAAAAAAOA/AAAAAAAA4D8CAAAAjAAAAAAAAAAAAAAAu+DjDP///wgAAAAAAAAAAAAAAAAAAAAAAAAAAAAAAAAAAAAAZAAAAAEAAABAAAAAAAAAAAAAAAAAAAAAAAAAAAAAAAAAAAAAAAAAAAAAAAAAAAAAAAAAAAAAAAAAAAAAAAAAAAAAAAAAAAAAAAAAAAAAAAAAAAAAAAAAAAAAAAAAAAAAFAAAADwAAAAAAAAAAAAAAAAAAAkUAAAAAQAAABQAAAAUAAAAFAAAAAEAAAAAAAAAZAAAAGQAAAAAAAAAZAAAAGQAAAAVAAAAYAAAAAAAAAAAAAAADwAAACADAAAAAAAAAAAAAAEAAACgMgAAVgcAAKr4//8BAAAAf39/AAEAAABkAAAAAAAAABQAAABAHwAAAAAAACYAAAAAAAAAwOD//wAAAAAmAAAAZAAAABYAAABMAAAAAAAAAAAAAAAEAAAAAAAAAAEAAACAgIAKAAAAACgAAAAoAAAAZAAAAGQAAAAAAAAAzMzMAAAAAABQAAAAUAAAAGQAAABkAAAAAAAAABcAAAAUAAAAAAAAAAAAAAD/fwAA/38AAAAAAAAJAAAABAAAAAAAAAAeAAAAaAAAAAAAAAAAAAAAAAAAAAAAAAAAAAAAECcAABAnAAAAAAAAAAAAAAAAAAAAAAAAAAAAAAAAAAAAAAAAAAAAABQAAAAAAAAAwMD/AAAAAABkAAAAMgAAAAAAAABkAAAAAAAAAH9/fwAKAAAAIgAAABgAAAAAAAAAAAAAAAAAAAAAAAAAAAAAAAAAAAAkAAAAJAAAAAAAAAAHAAAAAAAAAAAAAAAAAAAAAAAAAAAAAAAAAAAAf39/ACUAAABYAAAAAAAAAAAAAAAAAAAAAAAAAAAAAAAAAAAAAAAAAAAAAAAAAAAAAAAAAAAAAAA/AAAAAAAAAKCGAQAAAAAAAAAAAAAAAAAMAAAAAQAAAAAAAAAAAAAAAAAAAB8AAABUAAAAAAAABQAAAAEAAAAAAAAAAAAAAAAAAAAAAAAAAAAAAAAAAAAAAAAAAAAAAAJ/f38AAAAAA8zMzADAwP8Af39/AAAAAAAAAAAAAAAAAAAAAAAAAAAAIQAAABgAAAAUAAAAwAMAAK4BAABtHAAA1AgAABAAAAAmAAAACAAAAIGAAAAAAAAAMAAAABQAAAAAAAAAAAD//wAAAQAAAP//AAABAA=="/>
               </a:ext>
             </a:extLst>
           </p:cNvSpPr>
@@ -2245,7 +2245,7 @@
             <a:spLocks noGrp="1" noChangeArrowheads="1"/>
             <a:extLst>
               <a:ext uri="smNativeData">
-                <pr:smNativeData xmlns:pr="smNativeData" xmlns="smNativeData" val="SMDATA_16_zLafZxMAAAAlAAAAZAAAAA8BAAAAkAAAAEgAAACQAAAASAAAAAAAAAAAAAAAAAAAAAEAAABQAAAAAAAAAAAA4D8AAAAAAADgPwAAAAAAAOA/AAAAAAAA4D8AAAAAAADgPwAAAAAAAOA/AAAAAAAA4D8AAAAAAADgPwAAAAAAAOA/AAAAAAAA4D8CAAAAjAAAAAAAAAAAAAAAu+DjDP///wgAAAAAAAAAAAAAAAAAAAAAAAAAAAAAAAAAAAAAZAAAAAEAAABAAAAAAAAAAAAAAAAAAAAAAAAAAAAAAAAAAAAAAAAAAAAAAAAAAAAAAAAAAAAAAAAAAAAAAAAAAAAAAAAAAAAAAAAAAAAAAAAAAAAAAAAAAAAAAAAAAAAAFAAAADwAAAAAAAAAAAAAAAAAAAkUAAAAAQAAABQAAAAUAAAAFAAAAAEAAAAAAAAAZAAAAGQAAAAAAAAAZAAAAGQAAAAVAAAAYAAAAAAAAAAAAAAADwAAACADAAAAAAAAAAAAAAEAAACgMgAAVgcAAKr4//8BAAAAf39/AAEAAABkAAAAAAAAABQAAABAHwAAAAAAACYAAAAAAAAAwOD//wAAAAAmAAAAZAAAABYAAABMAAAAAAAAAAAAAAAEAAAAAAAAAAEAAACAgIAKAAAAACgAAAAoAAAAZAAAAGQAAAAAAAAAzMzMAAAAAABQAAAAUAAAAGQAAABkAAAAAAAAABcAAAAUAAAAAAAAAAAAAAD/fwAA/38AAAAAAAAJAAAABAAAAAAAAAAeAAAAaAAAAAAAAAAAAAAAAAAAAAAAAAAAAAAAECcAABAnAAAAAAAAAAAAAAAAAAAAAAAAAAAAAAAAAAAAAAAAAAAAABQAAAAAAAAAwMD/AAAAAABkAAAAMgAAAAAAAABkAAAAAAAAAH9/fwAKAAAAIgAAABgAAAAAAAAAAAAAAAAAAAAAAAAAAAAAAAAAAAAkAAAAJAAAAAAAAAAHAAAAAAAAAAAAAAAAAAAAAAAAAAAAAAAAAAAAf39/ACUAAABYAAAAAAAAAAAAAAAAAAAAAAAAAAAAAAAAAAAAAAAAAAAAAAAAAAAAAAAAAAAAAAA/AAAAAAAAAKCGAQAAAAAAAAAAAAAAAAAMAAAAAQAAAAAAAAAAAAAAAAAAAB8AAABUAAAAAAAABQAAAAEAAAAAAAAAAAAAAAAAAAAAAAAAAAAAAAAAAAAAAAAAAAAAAAJ/f38AAAAAA8zMzADAwP8Af39/AAAAAAAAAAAAAAAAAAAAAAAAAAAAIQAAABgAAAAUAAAAUx0AAK4BAABARwAAsCUAABAAAAAmAAAACAAAAAGAAAAAAAAAMAAAABQAAAAAAAAAAAD//wAAAQAAAP//AAABAA=="/>
+                <pr:smNativeData xmlns:pr="smNativeData" xmlns="smNativeData" val="SMDATA_16_yvWgZxMAAAAlAAAAZAAAAA8BAAAAkAAAAEgAAACQAAAASAAAAAAAAAAAAAAAAAAAAAEAAABQAAAAAAAAAAAA4D8AAAAAAADgPwAAAAAAAOA/AAAAAAAA4D8AAAAAAADgPwAAAAAAAOA/AAAAAAAA4D8AAAAAAADgPwAAAAAAAOA/AAAAAAAA4D8CAAAAjAAAAAAAAAAAAAAAu+DjDP///wgAAAAAAAAAAAAAAAAAAAAAAAAAAAAAAAAAAAAAZAAAAAEAAABAAAAAAAAAAAAAAAAAAAAAAAAAAAAAAAAAAAAAAAAAAAAAAAAAAAAAAAAAAAAAAAAAAAAAAAAAAAAAAAAAAAAAAAAAAAAAAAAAAAAAAAAAAAAAAAAAAAAAFAAAADwAAAAAAAAAAAAAAAAAAAkUAAAAAQAAABQAAAAUAAAAFAAAAAEAAAAAAAAAZAAAAGQAAAAAAAAAZAAAAGQAAAAVAAAAYAAAAAAAAAAAAAAADwAAACADAAAAAAAAAAAAAAEAAACgMgAAVgcAAKr4//8BAAAAf39/AAEAAABkAAAAAAAAABQAAABAHwAAAAAAACYAAAAAAAAAwOD//wAAAAAmAAAAZAAAABYAAABMAAAAAAAAAAAAAAAEAAAAAAAAAAEAAACAgIAKAAAAACgAAAAoAAAAZAAAAGQAAAAAAAAAzMzMAAAAAABQAAAAUAAAAGQAAABkAAAAAAAAABcAAAAUAAAAAAAAAAAAAAD/fwAA/38AAAAAAAAJAAAABAAAAAAAAAAeAAAAaAAAAAAAAAAAAAAAAAAAAAAAAAAAAAAAECcAABAnAAAAAAAAAAAAAAAAAAAAAAAAAAAAAAAAAAAAAAAAAAAAABQAAAAAAAAAwMD/AAAAAABkAAAAMgAAAAAAAABkAAAAAAAAAH9/fwAKAAAAIgAAABgAAAAAAAAAAAAAAAAAAAAAAAAAAAAAAAAAAAAkAAAAJAAAAAAAAAAHAAAAAAAAAAAAAAAAAAAAAAAAAAAAAAAAAAAAf39/ACUAAABYAAAAAAAAAAAAAAAAAAAAAAAAAAAAAAAAAAAAAAAAAAAAAAAAAAAAAAAAAAAAAAA/AAAAAAAAAKCGAQAAAAAAAAAAAAAAAAAMAAAAAQAAAAAAAAAAAAAAAAAAAB8AAABUAAAAAAAABQAAAAEAAAAAAAAAAAAAAAAAAAAAAAAAAAAAAAAAAAAAAAAAAAAAAAJ/f38AAAAAA8zMzADAwP8Af39/AAAAAAAAAAAAAAAAAAAAAAAAAAAAIQAAABgAAAAUAAAAUx0AAK4BAABARwAAsCUAABAAAAAmAAAACAAAAAGAAAAAAAAAMAAAABQAAAAAAAAAAAD//wAAAQAAAP//AAABAA=="/>
               </a:ext>
             </a:extLst>
           </p:cNvSpPr>
@@ -2329,7 +2329,7 @@
             <a:spLocks noGrp="1" noChangeArrowheads="1"/>
             <a:extLst>
               <a:ext uri="smNativeData">
-                <pr:smNativeData xmlns:pr="smNativeData" xmlns="smNativeData" val="SMDATA_16_zLafZxMAAAAlAAAAZAAAAA8BAAAAkAAAAEgAAACQAAAASAAAAAAAAAAAAAAAAAAAAAEAAABQAAAAAAAAAAAA4D8AAAAAAADgPwAAAAAAAOA/AAAAAAAA4D8AAAAAAADgPwAAAAAAAOA/AAAAAAAA4D8AAAAAAADgPwAAAAAAAOA/AAAAAAAA4D8CAAAAjAAAAAAAAAAAAAAAu+DjDP///wgAAAAAAAAAAAAAAAAAAAAAAAAAAAAAAAAAAAAAZAAAAAEAAABAAAAAAAAAAAAAAAAAAAAAAAAAAAAAAAAAAAAAAAAAAAAAAAAAAAAAAAAAAAAAAAAAAAAAAAAAAAAAAAAAAAAAAAAAAAAAAAAAAAAAAAAAAAAAAAAAAAAAFAAAADwAAAAAAAAAAAAAAAAAAAkUAAAAAQAAABQAAAAUAAAAFAAAAAEAAAAAAAAAZAAAAGQAAAAAAAAAZAAAAGQAAAAVAAAAYAAAAAAAAAAAAAAADwAAACADAAAAAAAAAAAAAAEAAACgMgAAVgcAAKr4//8BAAAAf39/AAEAAABkAAAAAAAAABQAAABAHwAAAAAAACYAAAAAAAAAwOD//wAAAAAmAAAAZAAAABYAAABMAAAAAAAAAAAAAAAEAAAAAAAAAAEAAACAgIAKAAAAACgAAAAoAAAAZAAAAGQAAAAAAAAAzMzMAAAAAABQAAAAUAAAAGQAAABkAAAAAAAAABcAAAAUAAAAAAAAAAAAAAD/fwAA/38AAAAAAAAJAAAABAAAAAAAAAAeAAAAaAAAAAAAAAAAAAAAAAAAAAAAAAAAAAAAECcAABAnAAAAAAAAAAAAAAAAAAAAAAAAAAAAAAAAAAAAAAAAAAAAABQAAAAAAAAAwMD/AAAAAABkAAAAMgAAAAAAAABkAAAAAAAAAH9/fwAKAAAAIgAAABgAAAAAAAAAAAAAAAAAAAAAAAAAAAAAAAAAAAAkAAAAJAAAAAAAAAAHAAAAAAAAAAAAAAAAAAAAAAAAAAAAAAAAAAAAf39/ACUAAABYAAAAAAAAAAAAAAAAAAAAAAAAAAAAAAAAAAAAAAAAAAAAAAAAAAAAAAAAAAAAAAA/AAAAAAAAAKCGAQAAAAAAAAAAAAAAAAAMAAAAAQAAAAAAAAAAAAAAAAAAAB8AAABUAAAAAAAABQAAAAEAAAAAAAAAAAAAAAAAAAAAAAAAAAAAAAAAAAAAAAAAAAAAAAJ/f38AAAAAA8zMzADAwP8Af39/AAAAAAAAAAAAAAAAAAAAAAAAAAAAIQAAABgAAAAUAAAAwAMAANQIAABtHAAAsCUAABAAAAAmAAAACAAAAAGAAAAAAAAAMAAAABQAAAAAAAAAAAD//wAAAQAAAP//AAABAA=="/>
+                <pr:smNativeData xmlns:pr="smNativeData" xmlns="smNativeData" val="SMDATA_16_yvWgZxMAAAAlAAAAZAAAAA8BAAAAkAAAAEgAAACQAAAASAAAAAAAAAAAAAAAAAAAAAEAAABQAAAAAAAAAAAA4D8AAAAAAADgPwAAAAAAAOA/AAAAAAAA4D8AAAAAAADgPwAAAAAAAOA/AAAAAAAA4D8AAAAAAADgPwAAAAAAAOA/AAAAAAAA4D8CAAAAjAAAAAAAAAAAAAAAu+DjDP///wgAAAAAAAAAAAAAAAAAAAAAAAAAAAAAAAAAAAAAZAAAAAEAAABAAAAAAAAAAAAAAAAAAAAAAAAAAAAAAAAAAAAAAAAAAAAAAAAAAAAAAAAAAAAAAAAAAAAAAAAAAAAAAAAAAAAAAAAAAAAAAAAAAAAAAAAAAAAAAAAAAAAAFAAAADwAAAAAAAAAAAAAAAAAAAkUAAAAAQAAABQAAAAUAAAAFAAAAAEAAAAAAAAAZAAAAGQAAAAAAAAAZAAAAGQAAAAVAAAAYAAAAAAAAAAAAAAADwAAACADAAAAAAAAAAAAAAEAAACgMgAAVgcAAKr4//8BAAAAf39/AAEAAABkAAAAAAAAABQAAABAHwAAAAAAACYAAAAAAAAAwOD//wAAAAAmAAAAZAAAABYAAABMAAAAAAAAAAAAAAAEAAAAAAAAAAEAAACAgIAKAAAAACgAAAAoAAAAZAAAAGQAAAAAAAAAzMzMAAAAAABQAAAAUAAAAGQAAABkAAAAAAAAABcAAAAUAAAAAAAAAAAAAAD/fwAA/38AAAAAAAAJAAAABAAAAAAAAAAeAAAAaAAAAAAAAAAAAAAAAAAAAAAAAAAAAAAAECcAABAnAAAAAAAAAAAAAAAAAAAAAAAAAAAAAAAAAAAAAAAAAAAAABQAAAAAAAAAwMD/AAAAAABkAAAAMgAAAAAAAABkAAAAAAAAAH9/fwAKAAAAIgAAABgAAAAAAAAAAAAAAAAAAAAAAAAAAAAAAAAAAAAkAAAAJAAAAAAAAAAHAAAAAAAAAAAAAAAAAAAAAAAAAAAAAAAAAAAAf39/ACUAAABYAAAAAAAAAAAAAAAAAAAAAAAAAAAAAAAAAAAAAAAAAAAAAAAAAAAAAAAAAAAAAAA/AAAAAAAAAKCGAQAAAAAAAAAAAAAAAAAMAAAAAQAAAAAAAAAAAAAAAAAAAB8AAABUAAAAAAAABQAAAAEAAAAAAAAAAAAAAAAAAAAAAAAAAAAAAAAAAAAAAAAAAAAAAAJ/f38AAAAAA8zMzADAwP8Af39/AAAAAAAAAAAAAAAAAAAAAAAAAAAAIQAAABgAAAAUAAAAwAMAANQIAABtHAAAsCUAABAAAAAmAAAACAAAAAGAAAAAAAAAMAAAABQAAAAAAAAAAAD//wAAAQAAAP//AAABAA=="/>
               </a:ext>
             </a:extLst>
           </p:cNvSpPr>
@@ -2398,7 +2398,7 @@
             <a:spLocks noGrp="1" noChangeArrowheads="1"/>
             <a:extLst>
               <a:ext uri="smNativeData">
-                <pr:smNativeData xmlns:pr="smNativeData" xmlns="smNativeData" val="SMDATA_16_zLafZxMAAAAlAAAAZAAAAA8BAAAAkAAAAEgAAACQAAAASAAAAAAAAAABAAAAAAAAAAEAAABQAAAAAAAAAAAA4D8AAAAAAADgPwAAAAAAAOA/AAAAAAAA4D8AAAAAAADgPwAAAAAAAOA/AAAAAAAA4D8AAAAAAADgPwAAAAAAAOA/AAAAAAAA4D8CAAAAjAAAAAAAAAAAAAAAu+DjDP///wgAAAAAAAAAAAAAAAAAAAAAAAAAAAAAAAAAAAAAZAAAAAEAAABAAAAAAAAAAAAAAAAAAAAAAAAAAAAAAAAAAAAAAAAAAAAAAAAAAAAAAAAAAAAAAAAAAAAAAAAAAAAAAAAAAAAAAAAAAAAAAAAAAAAAAAAAAAAAAAAAAAAAFAAAADwAAAAAAAAAAAAAAAAAAAkUAAAAAQAAABQAAAAUAAAAFAAAAAEAAAAAAAAAZAAAAGQAAAAAAAAAZAAAAGQAAAAVAAAAYAAAAAAAAAAAAAAADwAAACADAAAAAAAAAAAAAAEAAACgMgAAVgcAAKr4//8BAAAAf39/AAEAAABkAAAAAAAAABQAAABAHwAAAAAAACYAAAAAAAAAwOD//wAAAAAmAAAAZAAAABYAAABMAAAAAAAAAAAAAAAEAAAAAAAAAAEAAACAgIAKAAAAACgAAAAoAAAAZAAAAGQAAAAAAAAAzMzMAAAAAABQAAAAUAAAAGQAAABkAAAAAAAAABcAAAAUAAAAAAAAAAAAAAD/fwAA/38AAAAAAAAJAAAABAAAAAAAAAAeAAAAaAAAAAAAAAAAAAAAAAAAAAAAAAAAAAAAECcAABAnAAAAAAAAAAAAAAAAAAAAAAAAAAAAAAAAAAAAAAAAAAAAABQAAAAAAAAAwMD/AAAAAABkAAAAMgAAAAAAAABkAAAAAAAAAH9/fwAKAAAAIgAAABgAAAAAAAAAAAAAAAAAAAAAAAAAAAAAAAAAAAAkAAAAJAAAAAAAAAAHAAAAAAAAAAAAAAAAAAAAAAAAAAAAAAAAAAAAf39/ACUAAABYAAAAAAAAAAAAAAAAAAAAAAAAAAAAAAAAAAAAAAAAAAAAAAAAAAAAAAAAAAAAAAA/AAAAAAAAAKCGAQAAAAAAAAAAAAAAAAAMAAAAAQAAAAAAAAAAAAAAAAAAAB8AAABUAAAAAAAABQAAAAEAAAAAAAAAAAAAAAAAAAAAAAAAAAAAAAAAAAAAAAAAAAAAAAJ/f38AAAAAA8zMzADAwP8Af39/AAAAAAAAAAAAAAAAAAAAAAAAAAAAIQAAABgAAAAUAAAAwAMAABsnAAA/FQAAWSkAABAAAAAmAAAACAAAAAAAAAAAAAAAMAAAABQAAAAAAAAAAAD//wAAAQAAAP//AAABAA=="/>
+                <pr:smNativeData xmlns:pr="smNativeData" xmlns="smNativeData" val="SMDATA_16_yvWgZxMAAAAlAAAAZAAAAA8BAAAAkAAAAEgAAACQAAAASAAAAAAAAAABAAAAAAAAAAEAAABQAAAAAAAAAAAA4D8AAAAAAADgPwAAAAAAAOA/AAAAAAAA4D8AAAAAAADgPwAAAAAAAOA/AAAAAAAA4D8AAAAAAADgPwAAAAAAAOA/AAAAAAAA4D8CAAAAjAAAAAAAAAAAAAAAu+DjDP///wgAAAAAAAAAAAAAAAAAAAAAAAAAAAAAAAAAAAAAZAAAAAEAAABAAAAAAAAAAAAAAAAAAAAAAAAAAAAAAAAAAAAAAAAAAAAAAAAAAAAAAAAAAAAAAAAAAAAAAAAAAAAAAAAAAAAAAAAAAAAAAAAAAAAAAAAAAAAAAAAAAAAAFAAAADwAAAAAAAAAAAAAAAAAAAkUAAAAAQAAABQAAAAUAAAAFAAAAAEAAAAAAAAAZAAAAGQAAAAAAAAAZAAAAGQAAAAVAAAAYAAAAAAAAAAAAAAADwAAACADAAAAAAAAAAAAAAEAAACgMgAAVgcAAKr4//8BAAAAf39/AAEAAABkAAAAAAAAABQAAABAHwAAAAAAACYAAAAAAAAAwOD//wAAAAAmAAAAZAAAABYAAABMAAAAAAAAAAAAAAAEAAAAAAAAAAEAAACAgIAKAAAAACgAAAAoAAAAZAAAAGQAAAAAAAAAzMzMAAAAAABQAAAAUAAAAGQAAABkAAAAAAAAABcAAAAUAAAAAAAAAAAAAAD/fwAA/38AAAAAAAAJAAAABAAAAAAAAAAeAAAAaAAAAAAAAAAAAAAAAAAAAAAAAAAAAAAAECcAABAnAAAAAAAAAAAAAAAAAAAAAAAAAAAAAAAAAAAAAAAAAAAAABQAAAAAAAAAwMD/AAAAAABkAAAAMgAAAAAAAABkAAAAAAAAAH9/fwAKAAAAIgAAABgAAAAAAAAAAAAAAAAAAAAAAAAAAAAAAAAAAAAkAAAAJAAAAAAAAAAHAAAAAAAAAAAAAAAAAAAAAAAAAAAAAAAAAAAAf39/ACUAAABYAAAAAAAAAAAAAAAAAAAAAAAAAAAAAAAAAAAAAAAAAAAAAAAAAAAAAAAAAAAAAAA/AAAAAAAAAKCGAQAAAAAAAAAAAAAAAAAMAAAAAQAAAAAAAAAAAAAAAAAAAB8AAABUAAAAAAAABQAAAAEAAAAAAAAAAAAAAAAAAAAAAAAAAAAAAAAAAAAAAAAAAAAAAAJ/f38AAAAAA8zMzADAwP8Af39/AAAAAAAAAAAAAAAAAAAAAAAAAAAAIQAAABgAAAAUAAAAwAMAABsnAAA/FQAAWSkAABAAAAAmAAAACAAAAAAAAAAAAAAAMAAAABQAAAAAAAAAAAD//wAAAQAAAP//AAABAA=="/>
               </a:ext>
             </a:extLst>
           </p:cNvSpPr>
@@ -2412,7 +2412,7 @@
           <a:lstStyle/>
           <a:p>
             <a:pPr/>
-            <a:fld id="{3FC4F442-0CD2-9102-9C7C-FA57BA326AAF}" type="datetime1">
+            <a:fld id="{3D146DA7-E9D0-419B-9EAC-1FCE23E2684A}" type="datetime1">
               <a:t/>
             </a:fld>
           </a:p>
@@ -2425,7 +2425,7 @@
             <a:spLocks noGrp="1" noChangeArrowheads="1"/>
             <a:extLst>
               <a:ext uri="smNativeData">
-                <pr:smNativeData xmlns:pr="smNativeData" xmlns="smNativeData" val="SMDATA_16_zLafZxMAAAAlAAAAZAAAAA8BAAAAkAAAAEgAAACQAAAASAAAAAAAAAABAAAAAAAAAAEAAABQAAAAAAAAAAAA4D8AAAAAAADgPwAAAAAAAOA/AAAAAAAA4D8AAAAAAADgPwAAAAAAAOA/AAAAAAAA4D8AAAAAAADgPwAAAAAAAOA/AAAAAAAA4D8CAAAAjAAAAAAAAAAAAAAAu+DjDP///wgAAAAAAAAAAAAAAAAAAAAAAAAAAAAAAAAAAAAAZAAAAAEAAABAAAAAAAAAAAAAAAAAAAAAAAAAAAAAAAAAAAAAAAAAAAAAAAAAAAAAAAAAAAAAAAAAAAAAAAAAAAAAAAAAAAAAAAAAAAAAAAAAAAAAAAAAAAAAAAAAAAAAFAAAADwAAAAAAAAAAAAAAAAAAAkUAAAAAQAAABQAAAAUAAAAFAAAAAEAAAAAAAAAZAAAAGQAAAAAAAAAZAAAAGQAAAAVAAAAYAAAAAAAAAAAAAAADwAAACADAAAAAAAAAAAAAAEAAACgMgAAVgcAAKr4//8BAAAAf39/AAEAAABkAAAAAAAAABQAAABAHwAAAAAAACYAAAAAAAAAwOD//wAAAAAmAAAAZAAAABYAAABMAAAAAAAAAAAAAAAEAAAAAAAAAAEAAACAgIAKAAAAACgAAAAoAAAAZAAAAGQAAAAAAAAAzMzMAAAAAABQAAAAUAAAAGQAAABkAAAAAAAAABcAAAAUAAAAAAAAAAAAAAD/fwAA/38AAAAAAAAJAAAABAAAAHNwY0IeAAAAaAAAAAAAAAAAAAAAAAAAAAAAAAAAAAAAECcAABAnAAAAAAAAAAAAAAAAAAAAAAAAAAAAAAAAAAAAAAAAAAAAABQAAAAAAAAAwMD/AAAAAABkAAAAMgAAAAAAAABkAAAAAAAAAH9/fwAKAAAAIgAAABgAAAAAAAAAAAAAAAAAAAAAAAAAAAAAAAAAAAAkAAAAJAAAAAAAAAAHAAAAAAAAAAAAAAAAAAAAAAAAAAAAAAAAAAAAf39/ACUAAABYAAAAAAAAAAAAAAAAAAAAAAAAAAAAAAAAAAAAAAAAAAAAAAAAAAAAAAAAAAAAAAA/AAAAAAAAAKCGAQAAAAAAAAAAAAAAAAAMAAAAAQAAAAAAAAAAAAAAAAAAAB8AAABUAAAAAAAABQAAAAEAAAAAAAAAAAAAAAAAAAAAAAAAAAAAAAAAAAAAAAAAAAAAAAJ/f38AAAAAA8zMzADAwP8Af39/AAAAAAAAAAAAAAAAAAAAAAAAAAAAIQAAABgAAAAUAAAAoRkAABsnAABfMQAAWSkAABAAAAAmAAAACAAAAAAAAAAAAAAAMAAAABQAAAAAAAAAAAD//wAAAQAAAP//AAABAA=="/>
+                <pr:smNativeData xmlns:pr="smNativeData" xmlns="smNativeData" val="SMDATA_16_yvWgZxMAAAAlAAAAZAAAAA8BAAAAkAAAAEgAAACQAAAASAAAAAAAAAABAAAAAAAAAAEAAABQAAAAAAAAAAAA4D8AAAAAAADgPwAAAAAAAOA/AAAAAAAA4D8AAAAAAADgPwAAAAAAAOA/AAAAAAAA4D8AAAAAAADgPwAAAAAAAOA/AAAAAAAA4D8CAAAAjAAAAAAAAAAAAAAAu+DjDP///wgAAAAAAAAAAAAAAAAAAAAAAAAAAAAAAAAAAAAAZAAAAAEAAABAAAAAAAAAAAAAAAAAAAAAAAAAAAAAAAAAAAAAAAAAAAAAAAAAAAAAAAAAAAAAAAAAAAAAAAAAAAAAAAAAAAAAAAAAAAAAAAAAAAAAAAAAAAAAAAAAAAAAFAAAADwAAAAAAAAAAAAAAAAAAAkUAAAAAQAAABQAAAAUAAAAFAAAAAEAAAAAAAAAZAAAAGQAAAAAAAAAZAAAAGQAAAAVAAAAYAAAAAAAAAAAAAAADwAAACADAAAAAAAAAAAAAAEAAACgMgAAVgcAAKr4//8BAAAAf39/AAEAAABkAAAAAAAAABQAAABAHwAAAAAAACYAAAAAAAAAwOD//wAAAAAmAAAAZAAAABYAAABMAAAAAAAAAAAAAAAEAAAAAAAAAAEAAACAgIAKAAAAACgAAAAoAAAAZAAAAGQAAAAAAAAAzMzMAAAAAABQAAAAUAAAAGQAAABkAAAAAAAAABcAAAAUAAAAAAAAAAAAAAD/fwAA/38AAAAAAAAJAAAABAAAAHNwY0IeAAAAaAAAAAAAAAAAAAAAAAAAAAAAAAAAAAAAECcAABAnAAAAAAAAAAAAAAAAAAAAAAAAAAAAAAAAAAAAAAAAAAAAABQAAAAAAAAAwMD/AAAAAABkAAAAMgAAAAAAAABkAAAAAAAAAH9/fwAKAAAAIgAAABgAAAAAAAAAAAAAAAAAAAAAAAAAAAAAAAAAAAAkAAAAJAAAAAAAAAAHAAAAAAAAAAAAAAAAAAAAAAAAAAAAAAAAAAAAf39/ACUAAABYAAAAAAAAAAAAAAAAAAAAAAAAAAAAAAAAAAAAAAAAAAAAAAAAAAAAAAAAAAAAAAA/AAAAAAAAAKCGAQAAAAAAAAAAAAAAAAAMAAAAAQAAAAAAAAAAAAAAAAAAAB8AAABUAAAAAAAABQAAAAEAAAAAAAAAAAAAAAAAAAAAAAAAAAAAAAAAAAAAAAAAAAAAAAJ/f38AAAAAA8zMzADAwP8Af39/AAAAAAAAAAAAAAAAAAAAAAAAAAAAIQAAABgAAAAUAAAAoRkAABsnAABfMQAAWSkAABAAAAAmAAAACAAAAAAAAAAAAAAAMAAAABQAAAAAAAAAAAD//wAAAQAAAP//AAABAA=="/>
               </a:ext>
             </a:extLst>
           </p:cNvSpPr>
@@ -2449,7 +2449,7 @@
             <a:spLocks noGrp="1" noChangeArrowheads="1"/>
             <a:extLst>
               <a:ext uri="smNativeData">
-                <pr:smNativeData xmlns:pr="smNativeData" xmlns="smNativeData" val="SMDATA_16_zLafZxMAAAAlAAAAZAAAAA8BAAAAkAAAAEgAAACQAAAASAAAAAAAAAABAAAAAAAAAAEAAABQAAAAAAAAAAAA4D8AAAAAAADgPwAAAAAAAOA/AAAAAAAA4D8AAAAAAADgPwAAAAAAAOA/AAAAAAAA4D8AAAAAAADgPwAAAAAAAOA/AAAAAAAA4D8CAAAAjAAAAAAAAAAAAAAAu+DjDP///wgAAAAAAAAAAAAAAAAAAAAAAAAAAAAAAAAAAAAAZAAAAAEAAABAAAAAAAAAAAAAAAAAAAAAAAAAAAAAAAAAAAAAAAAAAAAAAAAAAAAAAAAAAAAAAAAAAAAAAAAAAAAAAAAAAAAAAAAAAAAAAAAAAAAAAAAAAAAAAAAAAAAAFAAAADwAAAAAAAAAAAAAAAAAAAkUAAAAAQAAABQAAAAUAAAAFAAAAAEAAAAAAAAAZAAAAGQAAAAAAAAAZAAAAGQAAAAVAAAAYAAAAAAAAAAAAAAADwAAACADAAAAAAAAAAAAAAEAAACgMgAAVgcAAKr4//8BAAAAf39/AAEAAABkAAAAAAAAABQAAABAHwAAAAAAACYAAAAAAAAAwOD//wAAAAAmAAAAZAAAABYAAABMAAAAAAAAAAAAAAAEAAAAAAAAAAEAAACAgIAKAAAAACgAAAAoAAAAZAAAAGQAAAAAAAAAzMzMAAAAAABQAAAAUAAAAGQAAABkAAAAAAAAABcAAAAUAAAAAAAAAAAAAAD/fwAA/38AAAAAAAAJAAAABAAAAAAAAAAeAAAAaAAAAAAAAAAAAAAAAAAAAAAAAAAAAAAAECcAABAnAAAAAAAAAAAAAAAAAAAAAAAAAAAAAAAAAAAAAAAAAAAAABQAAAAAAAAAwMD/AAAAAABkAAAAMgAAAAAAAABkAAAAAAAAAH9/fwAKAAAAIgAAABgAAAAAAAAAAAAAAAAAAAAAAAAAAAAAAAAAAAAkAAAAJAAAAAAAAAAHAAAAAAAAAAAAAAAAAAAAAAAAAAAAAAAAAAAAf39/ACUAAABYAAAAAAAAAAAAAAAAAAAAAAAAAAAAAAAAAAAAAAAAAAAAAAAAAAAAAAAAAAAAAAA/AAAAAAAAAKCGAQAAAAAAAAAAAAAAAAAMAAAAAQAAAAAAAAAAAAAAAAAAAB8AAABUAAAAAAAABQAAAAEAAAAAAAAAAAAAAAAAAAAAAAAAAAAAAAAAAAAAAAAAAAAAAAJ/f38AAAAAA8zMzADAwP8Af39/AAAAAAAAAAAAAAAAAAAAAAAAAAAAIQAAABgAAAAUAAAAwTUAABsnAABARwAAWSkAABAAAAAmAAAACAAAAAAAAAAAAAAAMAAAABQAAAAAAAAAAAD//wAAAQAAAP//AAABAA=="/>
+                <pr:smNativeData xmlns:pr="smNativeData" xmlns="smNativeData" val="SMDATA_16_yvWgZxMAAAAlAAAAZAAAAA8BAAAAkAAAAEgAAACQAAAASAAAAAAAAAABAAAAAAAAAAEAAABQAAAAAAAAAAAA4D8AAAAAAADgPwAAAAAAAOA/AAAAAAAA4D8AAAAAAADgPwAAAAAAAOA/AAAAAAAA4D8AAAAAAADgPwAAAAAAAOA/AAAAAAAA4D8CAAAAjAAAAAAAAAAAAAAAu+DjDP///wgAAAAAAAAAAAAAAAAAAAAAAAAAAAAAAAAAAAAAZAAAAAEAAABAAAAAAAAAAAAAAAAAAAAAAAAAAAAAAAAAAAAAAAAAAAAAAAAAAAAAAAAAAAAAAAAAAAAAAAAAAAAAAAAAAAAAAAAAAAAAAAAAAAAAAAAAAAAAAAAAAAAAFAAAADwAAAAAAAAAAAAAAAAAAAkUAAAAAQAAABQAAAAUAAAAFAAAAAEAAAAAAAAAZAAAAGQAAAAAAAAAZAAAAGQAAAAVAAAAYAAAAAAAAAAAAAAADwAAACADAAAAAAAAAAAAAAEAAACgMgAAVgcAAKr4//8BAAAAf39/AAEAAABkAAAAAAAAABQAAABAHwAAAAAAACYAAAAAAAAAwOD//wAAAAAmAAAAZAAAABYAAABMAAAAAAAAAAAAAAAEAAAAAAAAAAEAAACAgIAKAAAAACgAAAAoAAAAZAAAAGQAAAAAAAAAzMzMAAAAAABQAAAAUAAAAGQAAABkAAAAAAAAABcAAAAUAAAAAAAAAAAAAAD/fwAA/38AAAAAAAAJAAAABAAAAAAAAAAeAAAAaAAAAAAAAAAAAAAAAAAAAAAAAAAAAAAAECcAABAnAAAAAAAAAAAAAAAAAAAAAAAAAAAAAAAAAAAAAAAAAAAAABQAAAAAAAAAwMD/AAAAAABkAAAAMgAAAAAAAABkAAAAAAAAAH9/fwAKAAAAIgAAABgAAAAAAAAAAAAAAAAAAAAAAAAAAAAAAAAAAAAkAAAAJAAAAAAAAAAHAAAAAAAAAAAAAAAAAAAAAAAAAAAAAAAAAAAAf39/ACUAAABYAAAAAAAAAAAAAAAAAAAAAAAAAAAAAAAAAAAAAAAAAAAAAAAAAAAAAAAAAAAAAAA/AAAAAAAAAKCGAQAAAAAAAAAAAAAAAAAMAAAAAQAAAAAAAAAAAAAAAAAAAB8AAABUAAAAAAAABQAAAAEAAAAAAAAAAAAAAAAAAAAAAAAAAAAAAAAAAAAAAAAAAAAAAAJ/f38AAAAAA8zMzADAwP8Af39/AAAAAAAAAAAAAAAAAAAAAAAAAAAAIQAAABgAAAAUAAAAwTUAABsnAABARwAAWSkAABAAAAAmAAAACAAAAAAAAAAAAAAAMAAAABQAAAAAAAAAAAD//wAAAQAAAP//AAABAA=="/>
               </a:ext>
             </a:extLst>
           </p:cNvSpPr>
@@ -2463,7 +2463,7 @@
           <a:lstStyle/>
           <a:p>
             <a:pPr/>
-            <a:fld id="{3FC4D188-C6D2-9127-9C7C-30729F326A65}" type="slidenum">
+            <a:fld id="{3D1403C0-8ED0-41F5-9EAC-78A04DE2682D}" type="slidenum">
               <a:t/>
             </a:fld>
           </a:p>
@@ -2502,7 +2502,7 @@
             <a:spLocks noGrp="1" noChangeArrowheads="1"/>
             <a:extLst>
               <a:ext uri="smNativeData">
-                <pr:smNativeData xmlns:pr="smNativeData" xmlns="smNativeData" val="SMDATA_16_zLafZxMAAAAlAAAAZAAAAA8BAAAAkAAAAEgAAACQAAAASAAAAAAAAAACAAAAAAAAAAEAAABQAAAAAAAAAAAA4D8AAAAAAADgPwAAAAAAAOA/AAAAAAAA4D8AAAAAAADgPwAAAAAAAOA/AAAAAAAA4D8AAAAAAADgPwAAAAAAAOA/AAAAAAAA4D8CAAAAjAAAAAAAAAAAAAAAu+DjDP///wgAAAAAAAAAAAAAAAAAAAAAAAAAAAAAAAAAAAAAZAAAAAEAAABAAAAAAAAAAAAAAAAAAAAAAAAAAAAAAAAAAAAAAAAAAAAAAAAAAAAAAAAAAAAAAAAAAAAAAAAAAAAAAAAAAAAAAAAAAAAAAAAAAAAAAAAAAAAAAAAAAAAAFAAAADwAAAAAAAAAAAAAAAAAAAkUAAAAAQAAABQAAAAUAAAAFAAAAAEAAAAAAAAAZAAAAGQAAAAAAAAAZAAAAGQAAAAVAAAAYAAAAAAAAAAAAAAADwAAACADAAAAAAAAAAAAAAEAAACgMgAAVgcAAKr4//8BAAAAf39/AAEAAABkAAAAAAAAABQAAABAHwAAAAAAACYAAAAAAAAAwOD//wAAAAAmAAAAZAAAABYAAABMAAAAAAAAAAAAAAAEAAAAAAAAAAEAAACAgIAKAAAAACgAAAAoAAAAZAAAAGQAAAAAAAAAzMzMAAAAAABQAAAAUAAAAGQAAABkAAAAAAAAABcAAAAUAAAAAAAAAAAAAAD/fwAA/38AAAAAAAAJAAAABAAAAAAAAAAeAAAAaAAAAAAAAAAAAAAAAAAAAAAAAAAAAAAAECcAABAnAAAAAAAAAAAAAAAAAAAAAAAAAAAAAAAAAAAAAAAAAAAAABQAAAAAAAAAwMD/AAAAAABkAAAAMgAAAAAAAABkAAAAAAAAAH9/fwAKAAAAIgAAABgAAAAAAAAAAAAAAAAAAAAAAAAAAAAAAAAAAAAkAAAAJAAAAAAAAAAHAAAAAAAAAAAAAAAAAAAAAAAAAAAAAAAAAAAAf39/ACUAAABYAAAAAAAAAAAAAAAAAAAAAAAAAAAAAAAAAAAAAAAAAAAAAAAAAAAAAAAAAAAAAAA/AAAAAAAAAKCGAQAAAAAAAAAAAAAAAAAMAAAAAQAAAAAAAAAAAAAAAAAAAB8AAABUAAAAAAAABQAAAAEAAAAAAAAAAAAAAAAAAAAAAAAAAAAAAAAAAAAAAAAAAAAAAAJ/f38AAAAAA8zMzADAwP8Af39/AAAAAAAAAAAAAAAAAAAAAAAAAAAAIQAAABgAAAAUAAAAsw4AAIgdAACzOwAABCEAABAAAAAmAAAACAAAAIGAAAAAAAAAMAAAABQAAAAAAAAAAAD//wAAAQAAAP//AAABAA=="/>
+                <pr:smNativeData xmlns:pr="smNativeData" xmlns="smNativeData" val="SMDATA_16_yvWgZxMAAAAlAAAAZAAAAA8BAAAAkAAAAEgAAACQAAAASAAAAAAAAAACAAAAAAAAAAEAAABQAAAAAAAAAAAA4D8AAAAAAADgPwAAAAAAAOA/AAAAAAAA4D8AAAAAAADgPwAAAAAAAOA/AAAAAAAA4D8AAAAAAADgPwAAAAAAAOA/AAAAAAAA4D8CAAAAjAAAAAAAAAAAAAAAu+DjDP///wgAAAAAAAAAAAAAAAAAAAAAAAAAAAAAAAAAAAAAZAAAAAEAAABAAAAAAAAAAAAAAAAAAAAAAAAAAAAAAAAAAAAAAAAAAAAAAAAAAAAAAAAAAAAAAAAAAAAAAAAAAAAAAAAAAAAAAAAAAAAAAAAAAAAAAAAAAAAAAAAAAAAAFAAAADwAAAAAAAAAAAAAAAAAAAkUAAAAAQAAABQAAAAUAAAAFAAAAAEAAAAAAAAAZAAAAGQAAAAAAAAAZAAAAGQAAAAVAAAAYAAAAAAAAAAAAAAADwAAACADAAAAAAAAAAAAAAEAAACgMgAAVgcAAKr4//8BAAAAf39/AAEAAABkAAAAAAAAABQAAABAHwAAAAAAACYAAAAAAAAAwOD//wAAAAAmAAAAZAAAABYAAABMAAAAAAAAAAAAAAAEAAAAAAAAAAEAAACAgIAKAAAAACgAAAAoAAAAZAAAAGQAAAAAAAAAzMzMAAAAAABQAAAAUAAAAGQAAABkAAAAAAAAABcAAAAUAAAAAAAAAAAAAAD/fwAA/38AAAAAAAAJAAAABAAAAAAAAAAeAAAAaAAAAAAAAAAAAAAAAAAAAAAAAAAAAAAAECcAABAnAAAAAAAAAAAAAAAAAAAAAAAAAAAAAAAAAAAAAAAAAAAAABQAAAAAAAAAwMD/AAAAAABkAAAAMgAAAAAAAABkAAAAAAAAAH9/fwAKAAAAIgAAABgAAAAAAAAAAAAAAAAAAAAAAAAAAAAAAAAAAAAkAAAAJAAAAAAAAAAHAAAAAAAAAAAAAAAAAAAAAAAAAAAAAAAAAAAAf39/ACUAAABYAAAAAAAAAAAAAAAAAAAAAAAAAAAAAAAAAAAAAAAAAAAAAAAAAAAAAAAAAAAAAAA/AAAAAAAAAKCGAQAAAAAAAAAAAAAAAAAMAAAAAQAAAAAAAAAAAAAAAAAAAB8AAABUAAAAAAAABQAAAAEAAAAAAAAAAAAAAAAAAAAAAAAAAAAAAAAAAAAAAAAAAAAAAAJ/f38AAAAAA8zMzADAwP8Af39/AAAAAAAAAAAAAAAAAAAAAAAAAAAAIQAAABgAAAAUAAAAsw4AAIgdAACzOwAABCEAABAAAAAmAAAACAAAAIGAAAAAAAAAMAAAABQAAAAAAAAAAAD//wAAAQAAAP//AAABAA=="/>
               </a:ext>
             </a:extLst>
           </p:cNvSpPr>
@@ -2542,7 +2542,7 @@
             <a:spLocks noGrp="1" noChangeArrowheads="1"/>
             <a:extLst>
               <a:ext uri="smNativeData">
-                <pr:smNativeData xmlns:pr="smNativeData" xmlns="smNativeData" val="SMDATA_16_zLafZxMAAAAlAAAAZAAAAA8BAAAAkAAAAEgAAACQAAAASAAAAAAAAAAAAAAAAAAAAAEAAABQAAAAAAAAAAAA4D8AAAAAAADgPwAAAAAAAOA/AAAAAAAA4D8AAAAAAADgPwAAAAAAAOA/AAAAAAAA4D8AAAAAAADgPwAAAAAAAOA/AAAAAAAA4D8CAAAAjAAAAAAAAAAAAAAAu+DjDP///wgAAAAAAAAAAAAAAAAAAAAAAAAAAAAAAAAAAAAAZAAAAAEAAABAAAAAAAAAAAAAAAAAAAAAAAAAAAAAAAAAAAAAAAAAAAAAAAAAAAAAAAAAAAAAAAAAAAAAAAAAAAAAAAAAAAAAAAAAAAAAAAAAAAAAAAAAAAAAAAAAAAAAFAAAADwAAAAAAAAAAAAAAAAAAAkUAAAAAQAAABQAAAAUAAAAFAAAAAEAAAAAAAAAZAAAAGQAAAAAAAAAZAAAAGQAAAAVAAAAYAAAAAAAAAAAAAAADwAAACADAAAAAAAAAAAAAAEAAACgMgAAVgcAAKr4//8BAAAAf39/AAEAAABkAAAAAAAAABQAAABAHwAAAAAAACYAAAAAAAAAwOD//wAAAAAmAAAAZAAAABYAAABMAAAAAAAAAAAAAAAEAAAAAAAAAAEAAACAgIAKAAAAACgAAAAoAAAAZAAAAGQAAAAAAAAAzMzMAAAAAABQAAAAUAAAAGQAAABkAAAAAAAAABcAAAAUAAAAAAAAAAAAAAD/fwAA/38AAAAAAAAJAAAABAAAAAAAAAAeAAAAaAAAAAAAAAAAAAAAAAAAAAAAAAAAAAAAECcAABAnAAAAAAAAAAAAAAAAAAAAAAAAAAAAAAAAAAAAAAAAAAAAABQAAAAAAAAAwMD/AAAAAABkAAAAMgAAAAAAAABkAAAAAAAAAH9/fwAKAAAAIgAAABgAAAAAAAAAAAAAAAAAAAAAAAAAAAAAAAAAAAAkAAAAJAAAAAAAAAAHAAAAAAAAAAAAAAAAAAAAAAAAAAAAAAAAAAAAf39/ACUAAABYAAAAAAAAAAAAAAAAAAAAAAAAAAAAAAAAAAAAAAAAAAAAAAAAAAAAAAAAAAAAAAA/AAAAAAAAAKCGAQAAAAAAAAAAAAAAAAAMAAAAAQAAAAAAAAAAAAAAAAAAAB8AAABUAAAAAAAABQAAAAEAAAAAAAAAAAAAAAAAAAAAAAAAAAAAAAAAAAAAAAAAAAAAAAJ/f38AAAAAA8zMzADAwP8Af39/AAAAAAAAAAAAAAAAAAAAAAAAAAAAIQAAABgAAAAUAAAAsw4AAMYDAACzOwAAFh0AABAAAAAmAAAACAAAAAGAAAAAAAAAMAAAABQAAAAAAAAAAAD//wAAAQAAAP//AAABAA=="/>
+                <pr:smNativeData xmlns:pr="smNativeData" xmlns="smNativeData" val="SMDATA_16_yvWgZxMAAAAlAAAAZAAAAA8BAAAAkAAAAEgAAACQAAAASAAAAAAAAAAAAAAAAAAAAAEAAABQAAAAAAAAAAAA4D8AAAAAAADgPwAAAAAAAOA/AAAAAAAA4D8AAAAAAADgPwAAAAAAAOA/AAAAAAAA4D8AAAAAAADgPwAAAAAAAOA/AAAAAAAA4D8CAAAAjAAAAAAAAAAAAAAAu+DjDP///wgAAAAAAAAAAAAAAAAAAAAAAAAAAAAAAAAAAAAAZAAAAAEAAABAAAAAAAAAAAAAAAAAAAAAAAAAAAAAAAAAAAAAAAAAAAAAAAAAAAAAAAAAAAAAAAAAAAAAAAAAAAAAAAAAAAAAAAAAAAAAAAAAAAAAAAAAAAAAAAAAAAAAFAAAADwAAAAAAAAAAAAAAAAAAAkUAAAAAQAAABQAAAAUAAAAFAAAAAEAAAAAAAAAZAAAAGQAAAAAAAAAZAAAAGQAAAAVAAAAYAAAAAAAAAAAAAAADwAAACADAAAAAAAAAAAAAAEAAACgMgAAVgcAAKr4//8BAAAAf39/AAEAAABkAAAAAAAAABQAAABAHwAAAAAAACYAAAAAAAAAwOD//wAAAAAmAAAAZAAAABYAAABMAAAAAAAAAAAAAAAEAAAAAAAAAAEAAACAgIAKAAAAACgAAAAoAAAAZAAAAGQAAAAAAAAAzMzMAAAAAABQAAAAUAAAAGQAAABkAAAAAAAAABcAAAAUAAAAAAAAAAAAAAD/fwAA/38AAAAAAAAJAAAABAAAAAAAAAAeAAAAaAAAAAAAAAAAAAAAAAAAAAAAAAAAAAAAECcAABAnAAAAAAAAAAAAAAAAAAAAAAAAAAAAAAAAAAAAAAAAAAAAABQAAAAAAAAAwMD/AAAAAABkAAAAMgAAAAAAAABkAAAAAAAAAH9/fwAKAAAAIgAAABgAAAAAAAAAAAAAAAAAAAAAAAAAAAAAAAAAAAAkAAAAJAAAAAAAAAAHAAAAAAAAAAAAAAAAAAAAAAAAAAAAAAAAAAAAf39/ACUAAABYAAAAAAAAAAAAAAAAAAAAAAAAAAAAAAAAAAAAAAAAAAAAAAAAAAAAAAAAAAAAAAA/AAAAAAAAAKCGAQAAAAAAAAAAAAAAAAAMAAAAAQAAAAAAAAAAAAAAAAAAAB8AAABUAAAAAAAABQAAAAEAAAAAAAAAAAAAAAAAAAAAAAAAAAAAAAAAAAAAAAAAAAAAAAJ/f38AAAAAA8zMzADAwP8Af39/AAAAAAAAAAAAAAAAAAAAAAAAAAAAIQAAABgAAAAUAAAAsw4AAMYDAACzOwAAFh0AABAAAAAmAAAACAAAAAGAAAAAAAAAMAAAABQAAAAAAAAAAAD//wAAAQAAAP//AAABAA=="/>
               </a:ext>
             </a:extLst>
           </p:cNvSpPr>
@@ -2611,7 +2611,7 @@
             <a:spLocks noGrp="1" noChangeArrowheads="1"/>
             <a:extLst>
               <a:ext uri="smNativeData">
-                <pr:smNativeData xmlns:pr="smNativeData" xmlns="smNativeData" val="SMDATA_16_zLafZxMAAAAlAAAAZAAAAA8BAAAAkAAAAEgAAACQAAAASAAAAAAAAAAAAAAAAAAAAAEAAABQAAAAAAAAAAAA4D8AAAAAAADgPwAAAAAAAOA/AAAAAAAA4D8AAAAAAADgPwAAAAAAAOA/AAAAAAAA4D8AAAAAAADgPwAAAAAAAOA/AAAAAAAA4D8CAAAAjAAAAAAAAAAAAAAAu+DjDP///wgAAAAAAAAAAAAAAAAAAAAAAAAAAAAAAAAAAAAAZAAAAAEAAABAAAAAAAAAAAAAAAAAAAAAAAAAAAAAAAAAAAAAAAAAAAAAAAAAAAAAAAAAAAAAAAAAAAAAAAAAAAAAAAAAAAAAAAAAAAAAAAAAAAAAAAAAAAAAAAAAAAAAFAAAADwAAAAAAAAAAAAAAAAAAAkUAAAAAQAAABQAAAAUAAAAFAAAAAEAAAAAAAAAZAAAAGQAAAAAAAAAZAAAAGQAAAAVAAAAYAAAAAAAAAAAAAAADwAAACADAAAAAAAAAAAAAAEAAACgMgAAVgcAAKr4//8BAAAAf39/AAEAAABkAAAAAAAAABQAAABAHwAAAAAAACYAAAAAAAAAwOD//wAAAAAmAAAAZAAAABYAAABMAAAAAAAAAAAAAAAEAAAAAAAAAAEAAACAgIAKAAAAACgAAAAoAAAAZAAAAGQAAAAAAAAAzMzMAAAAAABQAAAAUAAAAGQAAABkAAAAAAAAABcAAAAUAAAAAAAAAAAAAAD/fwAA/38AAAAAAAAJAAAABAAAAAAAAAAeAAAAaAAAAAAAAAAAAAAAAAAAAAAAAAAAAAAAECcAABAnAAAAAAAAAAAAAAAAAAAAAAAAAAAAAAAAAAAAAAAAAAAAABQAAAAAAAAAwMD/AAAAAABkAAAAMgAAAAAAAABkAAAAAAAAAH9/fwAKAAAAIgAAABgAAAAAAAAAAAAAAAAAAAAAAAAAAAAAAAAAAAAkAAAAJAAAAAAAAAAHAAAAAAAAAAAAAAAAAAAAAAAAAAAAAAAAAAAAf39/ACUAAABYAAAAAAAAAAAAAAAAAAAAAAAAAAAAAAAAAAAAAAAAAAAAAAAAAAAAAAAAAAAAAAA/AAAAAAAAAKCGAQAAAAAAAAAAAAAAAAAMAAAAAQAAAAAAAAAAAAAAAAAAAB8AAABUAAAAAAAABQAAAAEAAAAAAAAAAAAAAAAAAAAAAAAAAAAAAAAAAAAAAAAAAAAAAAJ/f38AAAAAA8zMzADAwP8Af39/AAAAAAAAAAAAAAAAAAAAAAAAAAAAIQAAABgAAAAUAAAAsw4AAAQhAACzOwAA+CUAABAAAAAmAAAACAAAAAGAAAAAAAAAMAAAABQAAAAAAAAAAAD//wAAAQAAAP//AAABAA=="/>
+                <pr:smNativeData xmlns:pr="smNativeData" xmlns="smNativeData" val="SMDATA_16_yvWgZxMAAAAlAAAAZAAAAA8BAAAAkAAAAEgAAACQAAAASAAAAAAAAAAAAAAAAAAAAAEAAABQAAAAAAAAAAAA4D8AAAAAAADgPwAAAAAAAOA/AAAAAAAA4D8AAAAAAADgPwAAAAAAAOA/AAAAAAAA4D8AAAAAAADgPwAAAAAAAOA/AAAAAAAA4D8CAAAAjAAAAAAAAAAAAAAAu+DjDP///wgAAAAAAAAAAAAAAAAAAAAAAAAAAAAAAAAAAAAAZAAAAAEAAABAAAAAAAAAAAAAAAAAAAAAAAAAAAAAAAAAAAAAAAAAAAAAAAAAAAAAAAAAAAAAAAAAAAAAAAAAAAAAAAAAAAAAAAAAAAAAAAAAAAAAAAAAAAAAAAAAAAAAFAAAADwAAAAAAAAAAAAAAAAAAAkUAAAAAQAAABQAAAAUAAAAFAAAAAEAAAAAAAAAZAAAAGQAAAAAAAAAZAAAAGQAAAAVAAAAYAAAAAAAAAAAAAAADwAAACADAAAAAAAAAAAAAAEAAACgMgAAVgcAAKr4//8BAAAAf39/AAEAAABkAAAAAAAAABQAAABAHwAAAAAAACYAAAAAAAAAwOD//wAAAAAmAAAAZAAAABYAAABMAAAAAAAAAAAAAAAEAAAAAAAAAAEAAACAgIAKAAAAACgAAAAoAAAAZAAAAGQAAAAAAAAAzMzMAAAAAABQAAAAUAAAAGQAAABkAAAAAAAAABcAAAAUAAAAAAAAAAAAAAD/fwAA/38AAAAAAAAJAAAABAAAAAAAAAAeAAAAaAAAAAAAAAAAAAAAAAAAAAAAAAAAAAAAECcAABAnAAAAAAAAAAAAAAAAAAAAAAAAAAAAAAAAAAAAAAAAAAAAABQAAAAAAAAAwMD/AAAAAABkAAAAMgAAAAAAAABkAAAAAAAAAH9/fwAKAAAAIgAAABgAAAAAAAAAAAAAAAAAAAAAAAAAAAAAAAAAAAAkAAAAJAAAAAAAAAAHAAAAAAAAAAAAAAAAAAAAAAAAAAAAAAAAAAAAf39/ACUAAABYAAAAAAAAAAAAAAAAAAAAAAAAAAAAAAAAAAAAAAAAAAAAAAAAAAAAAAAAAAAAAAA/AAAAAAAAAKCGAQAAAAAAAAAAAAAAAAAMAAAAAQAAAAAAAAAAAAAAAAAAAB8AAABUAAAAAAAABQAAAAEAAAAAAAAAAAAAAAAAAAAAAAAAAAAAAAAAAAAAAAAAAAAAAAJ/f38AAAAAA8zMzADAwP8Af39/AAAAAAAAAAAAAAAAAAAAAAAAAAAAIQAAABgAAAAUAAAAsw4AAAQhAACzOwAA+CUAABAAAAAmAAAACAAAAAGAAAAAAAAAMAAAABQAAAAAAAAAAAD//wAAAQAAAP//AAABAA=="/>
               </a:ext>
             </a:extLst>
           </p:cNvSpPr>
@@ -2680,7 +2680,7 @@
             <a:spLocks noGrp="1" noChangeArrowheads="1"/>
             <a:extLst>
               <a:ext uri="smNativeData">
-                <pr:smNativeData xmlns:pr="smNativeData" xmlns="smNativeData" val="SMDATA_16_zLafZxMAAAAlAAAAZAAAAA8BAAAAkAAAAEgAAACQAAAASAAAAAAAAAABAAAAAAAAAAEAAABQAAAAAAAAAAAA4D8AAAAAAADgPwAAAAAAAOA/AAAAAAAA4D8AAAAAAADgPwAAAAAAAOA/AAAAAAAA4D8AAAAAAADgPwAAAAAAAOA/AAAAAAAA4D8CAAAAjAAAAAAAAAAAAAAAu+DjDP///wgAAAAAAAAAAAAAAAAAAAAAAAAAAAAAAAAAAAAAZAAAAAEAAABAAAAAAAAAAAAAAAAAAAAAAAAAAAAAAAAAAAAAAAAAAAAAAAAAAAAAAAAAAAAAAAAAAAAAAAAAAAAAAAAAAAAAAAAAAAAAAAAAAAAAAAAAAAAAAAAAAAAAFAAAADwAAAAAAAAAAAAAAAAAAAkUAAAAAQAAABQAAAAUAAAAFAAAAAEAAAAAAAAAZAAAAGQAAAAAAAAAZAAAAGQAAAAVAAAAYAAAAAAAAAAAAAAADwAAACADAAAAAAAAAAAAAAEAAACgMgAAVgcAAKr4//8BAAAAf39/AAEAAABkAAAAAAAAABQAAABAHwAAAAAAACYAAAAAAAAAwOD//wAAAAAmAAAAZAAAABYAAABMAAAAAAAAAAAAAAAEAAAAAAAAAAEAAACAgIAKAAAAACgAAAAoAAAAZAAAAGQAAAAAAAAAzMzMAAAAAABQAAAAUAAAAGQAAABkAAAAAAAAABcAAAAUAAAAAAAAAAAAAAD/fwAA/38AAAAAAAAJAAAABAAAAAAAAAAeAAAAaAAAAAAAAAAAAAAAAAAAAAAAAAAAAAAAECcAABAnAAAAAAAAAAAAAAAAAAAAAAAAAAAAAAAAAAAAAAAAAAAAABQAAAAAAAAAwMD/AAAAAABkAAAAMgAAAAAAAABkAAAAAAAAAH9/fwAKAAAAIgAAABgAAAAAAAAAAAAAAAAAAAAAAAAAAAAAAAAAAAAkAAAAJAAAAAAAAAAHAAAAAAAAAAAAAAAAAAAAAAAAAAAAAAAAAAAAf39/ACUAAABYAAAAAAAAAAAAAAAAAAAAAAAAAAAAAAAAAAAAAAAAAAAAAAAAAAAAAAAAAAAAAAA/AAAAAAAAAKCGAQAAAAAAAAAAAAAAAAAMAAAAAQAAAAAAAAAAAAAAAAAAAB8AAABUAAAAAAAABQAAAAEAAAAAAAAAAAAAAAAAAAAAAAAAAAAAAAAAAAAAAAAAAAAAAAJ/f38AAAAAA8zMzADAwP8Af39/AAAAAAAAAAAAAAAAAAAAAAAAAAAAIQAAABgAAAAUAAAAwAMAABsnAAA/FQAAWSkAABAAAAAmAAAACAAAAAAAAAAAAAAAMAAAABQAAAAAAAAAAAD//wAAAQAAAP//AAABAA=="/>
+                <pr:smNativeData xmlns:pr="smNativeData" xmlns="smNativeData" val="SMDATA_16_yvWgZxMAAAAlAAAAZAAAAA8BAAAAkAAAAEgAAACQAAAASAAAAAAAAAABAAAAAAAAAAEAAABQAAAAAAAAAAAA4D8AAAAAAADgPwAAAAAAAOA/AAAAAAAA4D8AAAAAAADgPwAAAAAAAOA/AAAAAAAA4D8AAAAAAADgPwAAAAAAAOA/AAAAAAAA4D8CAAAAjAAAAAAAAAAAAAAAu+DjDP///wgAAAAAAAAAAAAAAAAAAAAAAAAAAAAAAAAAAAAAZAAAAAEAAABAAAAAAAAAAAAAAAAAAAAAAAAAAAAAAAAAAAAAAAAAAAAAAAAAAAAAAAAAAAAAAAAAAAAAAAAAAAAAAAAAAAAAAAAAAAAAAAAAAAAAAAAAAAAAAAAAAAAAFAAAADwAAAAAAAAAAAAAAAAAAAkUAAAAAQAAABQAAAAUAAAAFAAAAAEAAAAAAAAAZAAAAGQAAAAAAAAAZAAAAGQAAAAVAAAAYAAAAAAAAAAAAAAADwAAACADAAAAAAAAAAAAAAEAAACgMgAAVgcAAKr4//8BAAAAf39/AAEAAABkAAAAAAAAABQAAABAHwAAAAAAACYAAAAAAAAAwOD//wAAAAAmAAAAZAAAABYAAABMAAAAAAAAAAAAAAAEAAAAAAAAAAEAAACAgIAKAAAAACgAAAAoAAAAZAAAAGQAAAAAAAAAzMzMAAAAAABQAAAAUAAAAGQAAABkAAAAAAAAABcAAAAUAAAAAAAAAAAAAAD/fwAA/38AAAAAAAAJAAAABAAAAAAAAAAeAAAAaAAAAAAAAAAAAAAAAAAAAAAAAAAAAAAAECcAABAnAAAAAAAAAAAAAAAAAAAAAAAAAAAAAAAAAAAAAAAAAAAAABQAAAAAAAAAwMD/AAAAAABkAAAAMgAAAAAAAABkAAAAAAAAAH9/fwAKAAAAIgAAABgAAAAAAAAAAAAAAAAAAAAAAAAAAAAAAAAAAAAkAAAAJAAAAAAAAAAHAAAAAAAAAAAAAAAAAAAAAAAAAAAAAAAAAAAAf39/ACUAAABYAAAAAAAAAAAAAAAAAAAAAAAAAAAAAAAAAAAAAAAAAAAAAAAAAAAAAAAAAAAAAAA/AAAAAAAAAKCGAQAAAAAAAAAAAAAAAAAMAAAAAQAAAAAAAAAAAAAAAAAAAB8AAABUAAAAAAAABQAAAAEAAAAAAAAAAAAAAAAAAAAAAAAAAAAAAAAAAAAAAAAAAAAAAAJ/f38AAAAAA8zMzADAwP8Af39/AAAAAAAAAAAAAAAAAAAAAAAAAAAAIQAAABgAAAAUAAAAwAMAABsnAAA/FQAAWSkAABAAAAAmAAAACAAAAAAAAAAAAAAAMAAAABQAAAAAAAAAAAD//wAAAQAAAP//AAABAA=="/>
               </a:ext>
             </a:extLst>
           </p:cNvSpPr>
@@ -2694,7 +2694,7 @@
           <a:lstStyle/>
           <a:p>
             <a:pPr/>
-            <a:fld id="{3FC4986E-20D2-916E-9C7C-D63BD6326A83}" type="datetime1">
+            <a:fld id="{3D144B8E-C0D0-41BD-9EAC-36E805E26863}" type="datetime1">
               <a:t/>
             </a:fld>
           </a:p>
@@ -2707,7 +2707,7 @@
             <a:spLocks noGrp="1" noChangeArrowheads="1"/>
             <a:extLst>
               <a:ext uri="smNativeData">
-                <pr:smNativeData xmlns:pr="smNativeData" xmlns="smNativeData" val="SMDATA_16_zLafZxMAAAAlAAAAZAAAAA8BAAAAkAAAAEgAAACQAAAASAAAAAAAAAABAAAAAAAAAAEAAABQAAAAAAAAAAAA4D8AAAAAAADgPwAAAAAAAOA/AAAAAAAA4D8AAAAAAADgPwAAAAAAAOA/AAAAAAAA4D8AAAAAAADgPwAAAAAAAOA/AAAAAAAA4D8CAAAAjAAAAAAAAAAAAAAAu+DjDP///wgAAAAAAAAAAAAAAAAAAAAAAAAAAAAAAAAAAAAAZAAAAAEAAABAAAAAAAAAAAAAAAAAAAAAAAAAAAAAAAAAAAAAAAAAAAAAAAAAAAAAAAAAAAAAAAAAAAAAAAAAAAAAAAAAAAAAAAAAAAAAAAAAAAAAAAAAAAAAAAAAAAAAFAAAADwAAAAAAAAAAAAAAAAAAAkUAAAAAQAAABQAAAAUAAAAFAAAAAEAAAAAAAAAZAAAAGQAAAAAAAAAZAAAAGQAAAAVAAAAYAAAAAAAAAAAAAAADwAAACADAAAAAAAAAAAAAAEAAACgMgAAVgcAAKr4//8BAAAAf39/AAEAAABkAAAAAAAAABQAAABAHwAAAAAAACYAAAAAAAAAwOD//wAAAAAmAAAAZAAAABYAAABMAAAAAAAAAAAAAAAEAAAAAAAAAAEAAACAgIAKAAAAACgAAAAoAAAAZAAAAGQAAAAAAAAAzMzMAAAAAABQAAAAUAAAAGQAAABkAAAAAAAAABcAAAAUAAAAAAAAAAAAAAD/fwAA/38AAAAAAAAJAAAABAAAAAAAAAAeAAAAaAAAAAAAAAAAAAAAAAAAAAAAAAAAAAAAECcAABAnAAAAAAAAAAAAAAAAAAAAAAAAAAAAAAAAAAAAAAAAAAAAABQAAAAAAAAAwMD/AAAAAABkAAAAMgAAAAAAAABkAAAAAAAAAH9/fwAKAAAAIgAAABgAAAAAAAAAAAAAAAAAAAAAAAAAAAAAAAAAAAAkAAAAJAAAAAAAAAAHAAAAAAAAAAAAAAAAAAAAAAAAAAAAAAAAAAAAf39/ACUAAABYAAAAAAAAAAAAAAAAAAAAAAAAAAAAAAAAAAAAAAAAAAAAAAAAAAAAAAAAAAAAAAA/AAAAAAAAAKCGAQAAAAAAAAAAAAAAAAAMAAAAAQAAAAAAAAAAAAAAAAAAAB8AAABUAAAAAAAABQAAAAEAAAAAAAAAAAAAAAAAAAAAAAAAAAAAAAAAAAAAAAAAAAAAAAJ/f38AAAAAA8zMzADAwP8Af39/AAAAAAAAAAAAAAAAAAAAAAAAAAAAIQAAABgAAAAUAAAAoRkAABsnAABfMQAAWSkAABAAAAAmAAAACAAAAAAAAAAAAAAAMAAAABQAAAAAAAAAAAD//wAAAQAAAP//AAABAA=="/>
+                <pr:smNativeData xmlns:pr="smNativeData" xmlns="smNativeData" val="SMDATA_16_yvWgZxMAAAAlAAAAZAAAAA8BAAAAkAAAAEgAAACQAAAASAAAAAAAAAABAAAAAAAAAAEAAABQAAAAAAAAAAAA4D8AAAAAAADgPwAAAAAAAOA/AAAAAAAA4D8AAAAAAADgPwAAAAAAAOA/AAAAAAAA4D8AAAAAAADgPwAAAAAAAOA/AAAAAAAA4D8CAAAAjAAAAAAAAAAAAAAAu+DjDP///wgAAAAAAAAAAAAAAAAAAAAAAAAAAAAAAAAAAAAAZAAAAAEAAABAAAAAAAAAAAAAAAAAAAAAAAAAAAAAAAAAAAAAAAAAAAAAAAAAAAAAAAAAAAAAAAAAAAAAAAAAAAAAAAAAAAAAAAAAAAAAAAAAAAAAAAAAAAAAAAAAAAAAFAAAADwAAAAAAAAAAAAAAAAAAAkUAAAAAQAAABQAAAAUAAAAFAAAAAEAAAAAAAAAZAAAAGQAAAAAAAAAZAAAAGQAAAAVAAAAYAAAAAAAAAAAAAAADwAAACADAAAAAAAAAAAAAAEAAACgMgAAVgcAAKr4//8BAAAAf39/AAEAAABkAAAAAAAAABQAAABAHwAAAAAAACYAAAAAAAAAwOD//wAAAAAmAAAAZAAAABYAAABMAAAAAAAAAAAAAAAEAAAAAAAAAAEAAACAgIAKAAAAACgAAAAoAAAAZAAAAGQAAAAAAAAAzMzMAAAAAABQAAAAUAAAAGQAAABkAAAAAAAAABcAAAAUAAAAAAAAAAAAAAD/fwAA/38AAAAAAAAJAAAABAAAAAAAAAAeAAAAaAAAAAAAAAAAAAAAAAAAAAAAAAAAAAAAECcAABAnAAAAAAAAAAAAAAAAAAAAAAAAAAAAAAAAAAAAAAAAAAAAABQAAAAAAAAAwMD/AAAAAABkAAAAMgAAAAAAAABkAAAAAAAAAH9/fwAKAAAAIgAAABgAAAAAAAAAAAAAAAAAAAAAAAAAAAAAAAAAAAAkAAAAJAAAAAAAAAAHAAAAAAAAAAAAAAAAAAAAAAAAAAAAAAAAAAAAf39/ACUAAABYAAAAAAAAAAAAAAAAAAAAAAAAAAAAAAAAAAAAAAAAAAAAAAAAAAAAAAAAAAAAAAA/AAAAAAAAAKCGAQAAAAAAAAAAAAAAAAAMAAAAAQAAAAAAAAAAAAAAAAAAAB8AAABUAAAAAAAABQAAAAEAAAAAAAAAAAAAAAAAAAAAAAAAAAAAAAAAAAAAAAAAAAAAAAJ/f38AAAAAA8zMzADAwP8Af39/AAAAAAAAAAAAAAAAAAAAAAAAAAAAIQAAABgAAAAUAAAAoRkAABsnAABfMQAAWSkAABAAAAAmAAAACAAAAAAAAAAAAAAAMAAAABQAAAAAAAAAAAD//wAAAQAAAP//AAABAA=="/>
               </a:ext>
             </a:extLst>
           </p:cNvSpPr>
@@ -2731,7 +2731,7 @@
             <a:spLocks noGrp="1" noChangeArrowheads="1"/>
             <a:extLst>
               <a:ext uri="smNativeData">
-                <pr:smNativeData xmlns:pr="smNativeData" xmlns="smNativeData" val="SMDATA_16_zLafZxMAAAAlAAAAZAAAAA8BAAAAkAAAAEgAAACQAAAASAAAAAAAAAABAAAAAAAAAAEAAABQAAAAAAAAAAAA4D8AAAAAAADgPwAAAAAAAOA/AAAAAAAA4D8AAAAAAADgPwAAAAAAAOA/AAAAAAAA4D8AAAAAAADgPwAAAAAAAOA/AAAAAAAA4D8CAAAAjAAAAAAAAAAAAAAAu+DjDP///wgAAAAAAAAAAAAAAAAAAAAAAAAAAAAAAAAAAAAAZAAAAAEAAABAAAAAAAAAAAAAAAAAAAAAAAAAAAAAAAAAAAAAAAAAAAAAAAAAAAAAAAAAAAAAAAAAAAAAAAAAAAAAAAAAAAAAAAAAAAAAAAAAAAAAAAAAAAAAAAAAAAAAFAAAADwAAAAAAAAAAAAAAAAAAAkUAAAAAQAAABQAAAAUAAAAFAAAAAEAAAAAAAAAZAAAAGQAAAAAAAAAZAAAAGQAAAAVAAAAYAAAAAAAAAAAAAAADwAAACADAAAAAAAAAAAAAAEAAACgMgAAVgcAAKr4//8BAAAAf39/AAEAAABkAAAAAAAAABQAAABAHwAAAAAAACYAAAAAAAAAwOD//wAAAAAmAAAAZAAAABYAAABMAAAAAAAAAAAAAAAEAAAAAAAAAAEAAACAgIAKAAAAACgAAAAoAAAAZAAAAGQAAAAAAAAAzMzMAAAAAABQAAAAUAAAAGQAAABkAAAAAAAAABcAAAAUAAAAAAAAAAAAAAD/fwAA/38AAAAAAAAJAAAABAAAAAAAAAAeAAAAaAAAAAAAAAAAAAAAAAAAAAAAAAAAAAAAECcAABAnAAAAAAAAAAAAAAAAAAAAAAAAAAAAAAAAAAAAAAAAAAAAABQAAAAAAAAAwMD/AAAAAABkAAAAMgAAAAAAAABkAAAAAAAAAH9/fwAKAAAAIgAAABgAAAAAAAAAAAAAAAAAAAAAAAAAAAAAAAAAAAAkAAAAJAAAAAAAAAAHAAAAAAAAAAAAAAAAAAAAAAAAAAAAAAAAAAAAf39/ACUAAABYAAAAAAAAAAAAAAAAAAAAAAAAAAAAAAAAAAAAAAAAAAAAAAAAAAAAAAAAAAAAAAA/AAAAAAAAAKCGAQAAAAAAAAAAAAAAAAAMAAAAAQAAAAAAAAAAAAAAAAAAAB8AAABUAAAAAAAABQAAAAEAAAAAAAAAAAAAAAAAAAAAAAAAAAAAAAAAAAAAAAAAAAAAAAJ/f38AAAAAA8zMzADAwP8Af39/AAAAAAAAAAAAAAAAAAAAAAAAAAAAIQAAABgAAAAUAAAAwTUAABsnAABARwAAWSkAABAAAAAmAAAACAAAAAAAAAAAAAAAMAAAABQAAAAAAAAAAAD//wAAAQAAAP//AAABAA=="/>
+                <pr:smNativeData xmlns:pr="smNativeData" xmlns="smNativeData" val="SMDATA_16_yvWgZxMAAAAlAAAAZAAAAA8BAAAAkAAAAEgAAACQAAAASAAAAAAAAAABAAAAAAAAAAEAAABQAAAAAAAAAAAA4D8AAAAAAADgPwAAAAAAAOA/AAAAAAAA4D8AAAAAAADgPwAAAAAAAOA/AAAAAAAA4D8AAAAAAADgPwAAAAAAAOA/AAAAAAAA4D8CAAAAjAAAAAAAAAAAAAAAu+DjDP///wgAAAAAAAAAAAAAAAAAAAAAAAAAAAAAAAAAAAAAZAAAAAEAAABAAAAAAAAAAAAAAAAAAAAAAAAAAAAAAAAAAAAAAAAAAAAAAAAAAAAAAAAAAAAAAAAAAAAAAAAAAAAAAAAAAAAAAAAAAAAAAAAAAAAAAAAAAAAAAAAAAAAAFAAAADwAAAAAAAAAAAAAAAAAAAkUAAAAAQAAABQAAAAUAAAAFAAAAAEAAAAAAAAAZAAAAGQAAAAAAAAAZAAAAGQAAAAVAAAAYAAAAAAAAAAAAAAADwAAACADAAAAAAAAAAAAAAEAAACgMgAAVgcAAKr4//8BAAAAf39/AAEAAABkAAAAAAAAABQAAABAHwAAAAAAACYAAAAAAAAAwOD//wAAAAAmAAAAZAAAABYAAABMAAAAAAAAAAAAAAAEAAAAAAAAAAEAAACAgIAKAAAAACgAAAAoAAAAZAAAAGQAAAAAAAAAzMzMAAAAAABQAAAAUAAAAGQAAABkAAAAAAAAABcAAAAUAAAAAAAAAAAAAAD/fwAA/38AAAAAAAAJAAAABAAAAAAAAAAeAAAAaAAAAAAAAAAAAAAAAAAAAAAAAAAAAAAAECcAABAnAAAAAAAAAAAAAAAAAAAAAAAAAAAAAAAAAAAAAAAAAAAAABQAAAAAAAAAwMD/AAAAAABkAAAAMgAAAAAAAABkAAAAAAAAAH9/fwAKAAAAIgAAABgAAAAAAAAAAAAAAAAAAAAAAAAAAAAAAAAAAAAkAAAAJAAAAAAAAAAHAAAAAAAAAAAAAAAAAAAAAAAAAAAAAAAAAAAAf39/ACUAAABYAAAAAAAAAAAAAAAAAAAAAAAAAAAAAAAAAAAAAAAAAAAAAAAAAAAAAAAAAAAAAAA/AAAAAAAAAKCGAQAAAAAAAAAAAAAAAAAMAAAAAQAAAAAAAAAAAAAAAAAAAB8AAABUAAAAAAAABQAAAAEAAAAAAAAAAAAAAAAAAAAAAAAAAAAAAAAAAAAAAAAAAAAAAAJ/f38AAAAAA8zMzADAwP8Af39/AAAAAAAAAAAAAAAAAAAAAAAAAAAAIQAAABgAAAAUAAAAwTUAABsnAABARwAAWSkAABAAAAAmAAAACAAAAAAAAAAAAAAAMAAAABQAAAAAAAAAAAD//wAAAQAAAP//AAABAA=="/>
               </a:ext>
             </a:extLst>
           </p:cNvSpPr>
@@ -2745,7 +2745,7 @@
           <a:lstStyle/>
           <a:p>
             <a:pPr/>
-            <a:fld id="{3FC4D811-5FD2-912E-9C7C-A97B96326AFC}" type="slidenum">
+            <a:fld id="{3D147619-57D0-4180-9EAC-A1D538E268F4}" type="slidenum">
               <a:t/>
             </a:fld>
           </a:p>
@@ -2792,7 +2792,7 @@
             <a:spLocks noGrp="1" noChangeArrowheads="1"/>
             <a:extLst>
               <a:ext uri="smNativeData">
-                <pr:smNativeData xmlns:pr="smNativeData" xmlns="smNativeData" val="SMDATA_16_zLafZxMAAAAlAAAAZAAAAA8BAAAAkAAAAEgAAACQAAAASAAAAAAAAAABAAAAAAAAAAEAAABQAAAAAAAAAAAA4D8AAAAAAADgPwAAAAAAAOA/AAAAAAAA4D8AAAAAAADgPwAAAAAAAOA/AAAAAAAA4D8AAAAAAADgPwAAAAAAAOA/AAAAAAAA4D8CAAAAjAAAAAAAAAAAAAAAu+DjDP///wgAAAAAAAAAAAAAAAAAAAAAAAAAAAAAAAAAAAAAZAAAAAEAAABAAAAAAAAAAAAAAAAAAAAAAAAAAAAAAAAAAAAAAAAAAAAAAAAAAAAAAAAAAAAAAAAAAAAAAAAAAAAAAAAAAAAAAAAAAAAAAAAAAAAAAAAAAAAAAAAAAAAAFAAAADwAAAAAAAAAAAAAAAAAAAkUAAAAAQAAABQAAAAUAAAAFAAAAAEAAAAAAAAAZAAAAGQAAAAAAAAAZAAAAGQAAAAVAAAAYAAAAAAAAAAAAAAADwAAACADAAAAAAAAAAAAAAEAAACgMgAAVgcAAKr4//8BAAAAf39/AAEAAABkAAAAAAAAABQAAABAHwAAAAAAACYAAAAAAAAAwOD//wAAAAAmAAAAZAAAABYAAABMAAAAAAAAAAAAAAAEAAAAAAAAAAEAAACAgIAKAAAAACgAAAAoAAAAZAAAAGQAAAAAAAAAzMzMAAAAAABQAAAAUAAAAGQAAABkAAAAAAAAABcAAAAUAAAAAAAAAAAAAAD/fwAA/38AAAAAAAAJAAAABAAAAHsAfAAeAAAAaAAAAAAAAAAAAAAAAAAAAAAAAAAAAAAAECcAABAnAAAAAAAAAAAAAAAAAAAAAAAAAAAAAAAAAAAAAAAAAAAAABQAAAAAAAAAwMD/AAAAAABkAAAAMgAAAAAAAABkAAAAAAAAAH9/fwAKAAAAIgAAABgAAAAAAAAAAAAAAAAAAAAAAAAAAAAAAAAAAAAkAAAAJAAAAAAAAAAHAAAAAAAAAAAAAAAAAAAAAAAAAAAAAAAAAAAAf39/ACUAAABYAAAAAAAAAAAAAAAAAAAAAAAAAAAAAAAAAAAAAAAAAAAAAAAAAAAAAAAAAAAAAAA/AAAAAAAAAKCGAQAAAAAAAAAAAAAAAAAMAAAAAQAAAAAAAAAAAAAAAAAAAB8AAABUAAAAAAAABQAAAAEAAAAAAAAAAAAAAAAAAAAAAAAAAAAAAAAAAAAAAAAAAAAAAAJ/f38AAAAAA8zMzADAwP8Af39/AAAAAAAAAAAAAAAAAAAAAAAAAAAAIQAAABgAAAAUAAAAwAMAALABAABARwAAuAgAABAAAAAmAAAACAAAAP//////////MAAAABQAAAAAAAAAAAD//wAAAQAAAP//AAABAA=="/>
+                <pr:smNativeData xmlns:pr="smNativeData" xmlns="smNativeData" val="SMDATA_16_yvWgZxMAAAAlAAAAZAAAAA8BAAAAkAAAAEgAAACQAAAASAAAAAAAAAABAAAAAAAAAAEAAABQAAAAAAAAAAAA4D8AAAAAAADgPwAAAAAAAOA/AAAAAAAA4D8AAAAAAADgPwAAAAAAAOA/AAAAAAAA4D8AAAAAAADgPwAAAAAAAOA/AAAAAAAA4D8CAAAAjAAAAAAAAAAAAAAAu+DjDP///wgAAAAAAAAAAAAAAAAAAAAAAAAAAAAAAAAAAAAAZAAAAAEAAABAAAAAAAAAAAAAAAAAAAAAAAAAAAAAAAAAAAAAAAAAAAAAAAAAAAAAAAAAAAAAAAAAAAAAAAAAAAAAAAAAAAAAAAAAAAAAAAAAAAAAAAAAAAAAAAAAAAAAFAAAADwAAAAAAAAAAAAAAAAAAAkUAAAAAQAAABQAAAAUAAAAFAAAAAEAAAAAAAAAZAAAAGQAAAAAAAAAZAAAAGQAAAAVAAAAYAAAAAAAAAAAAAAADwAAACADAAAAAAAAAAAAAAEAAACgMgAAVgcAAKr4//8BAAAAf39/AAEAAABkAAAAAAAAABQAAABAHwAAAAAAACYAAAAAAAAAwOD//wAAAAAmAAAAZAAAABYAAABMAAAAAAAAAAAAAAAEAAAAAAAAAAEAAACAgIAKAAAAACgAAAAoAAAAZAAAAGQAAAAAAAAAzMzMAAAAAABQAAAAUAAAAGQAAABkAAAAAAAAABcAAAAUAAAAAAAAAAAAAAD/fwAA/38AAAAAAAAJAAAABAAAAHsAfAAeAAAAaAAAAAAAAAAAAAAAAAAAAAAAAAAAAAAAECcAABAnAAAAAAAAAAAAAAAAAAAAAAAAAAAAAAAAAAAAAAAAAAAAABQAAAAAAAAAwMD/AAAAAABkAAAAMgAAAAAAAABkAAAAAAAAAH9/fwAKAAAAIgAAABgAAAAAAAAAAAAAAAAAAAAAAAAAAAAAAAAAAAAkAAAAJAAAAAAAAAAHAAAAAAAAAAAAAAAAAAAAAAAAAAAAAAAAAAAAf39/ACUAAABYAAAAAAAAAAAAAAAAAAAAAAAAAAAAAAAAAAAAAAAAAAAAAAAAAAAAAAAAAAAAAAA/AAAAAAAAAKCGAQAAAAAAAAAAAAAAAAAMAAAAAQAAAAAAAAAAAAAAAAAAAB8AAABUAAAAAAAABQAAAAEAAAAAAAAAAAAAAAAAAAAAAAAAAAAAAAAAAAAAAAAAAAAAAAJ/f38AAAAAA8zMzADAwP8Af39/AAAAAAAAAAAAAAAAAAAAAAAAAAAAIQAAABgAAAAUAAAAwAMAALABAABARwAAuAgAABAAAAAmAAAACAAAAP//////////MAAAABQAAAAAAAAAAAD//wAAAQAAAP//AAABAA=="/>
               </a:ext>
             </a:extLst>
           </p:cNvSpPr>
@@ -2836,7 +2836,7 @@
             <a:spLocks noGrp="1" noChangeArrowheads="1"/>
             <a:extLst>
               <a:ext uri="smNativeData">
-                <pr:smNativeData xmlns:pr="smNativeData" xmlns="smNativeData" val="SMDATA_16_zLafZxMAAAAlAAAAZAAAAA8BAAAAkAAAAEgAAACQAAAASAAAAAAAAAAAAAAAAAAAAAEAAABQAAAAAAAAAAAA4D8AAAAAAADgPwAAAAAAAOA/AAAAAAAA4D8AAAAAAADgPwAAAAAAAOA/AAAAAAAA4D8AAAAAAADgPwAAAAAAAOA/AAAAAAAA4D8CAAAAjAAAAAAAAAAAAAAAu+DjDP///wgAAAAAAAAAAAAAAAAAAAAAAAAAAAAAAAAAAAAAZAAAAAEAAABAAAAAAAAAAAAAAAAAAAAAAAAAAAAAAAAAAAAAAAAAAAAAAAAAAAAAAAAAAAAAAAAAAAAAAAAAAAAAAAAAAAAAAAAAAAAAAAAAAAAAAAAAAAAAAAAAAAAAFAAAADwAAAAAAAAAAAAAAAAAAAkUAAAAAQAAABQAAAAUAAAAFAAAAAEAAAAAAAAAZAAAAGQAAAAAAAAAZAAAAGQAAAAVAAAAYAAAAAAAAAAAAAAADwAAACADAAAAAAAAAAAAAAEAAACgMgAAVgcAAKr4//8BAAAAf39/AAEAAABkAAAAAAAAABQAAABAHwAAAAAAACYAAAAAAAAAwOD//wAAAAAmAAAAZAAAABYAAABMAAAAAAAAAAAAAAAEAAAAAAAAAAEAAACAgIAKAAAAACgAAAAoAAAAZAAAAGQAAAAAAAAAzMzMAAAAAABQAAAAUAAAAGQAAABkAAAAAAAAABcAAAAUAAAAAAAAAAAAAAD/fwAA/38AAAAAAAAJAAAABAAAAHsAfAAeAAAAaAAAAAAAAAAAAAAAAAAAAAAAAAAAAAAAECcAABAnAAAAAAAAAAAAAAAAAAAAAAAAAAAAAAAAAAAAAAAAAAAAABQAAAAAAAAAwMD/AAAAAABkAAAAMgAAAAAAAABkAAAAAAAAAH9/fwAKAAAAIgAAABgAAAAAAAAAAAAAAAAAAAAAAAAAAAAAAAAAAAAkAAAAJAAAAAAAAAAHAAAAAAAAAAAAAAAAAAAAAAAAAAAAAAAAAAAAf39/ACUAAABYAAAAAAAAAAAAAAAAAAAAAAAAAAAAAAAAAAAAAAAAAAAAAAAAAAAAAAAAAAAAAAA/AAAAAAAAAKCGAQAAAAAAAAAAAAAAAAAMAAAAAQAAAAAAAAAAAAAAAAAAAB8AAABUAAAAAAAABQAAAAEAAAAAAAAAAAAAAAAAAAAAAAAAAAAAAAAAAAAAAAAAAAAAAAJ/f38AAAAAA8zMzADAwP8Af39/AAAAAAAAAAAAAAAAAAAAAAAAAAAAIQAAABgAAAAUAAAAwAMAANgJAABARwAAsCUAABAAAAAmAAAACAAAAP//////////MAAAABQAAAAAAAAAAAD//wAAAQAAAP//AAABAA=="/>
+                <pr:smNativeData xmlns:pr="smNativeData" xmlns="smNativeData" val="SMDATA_16_yvWgZxMAAAAlAAAAZAAAAA8BAAAAkAAAAEgAAACQAAAASAAAAAAAAAAAAAAAAAAAAAEAAABQAAAAAAAAAAAA4D8AAAAAAADgPwAAAAAAAOA/AAAAAAAA4D8AAAAAAADgPwAAAAAAAOA/AAAAAAAA4D8AAAAAAADgPwAAAAAAAOA/AAAAAAAA4D8CAAAAjAAAAAAAAAAAAAAAu+DjDP///wgAAAAAAAAAAAAAAAAAAAAAAAAAAAAAAAAAAAAAZAAAAAEAAABAAAAAAAAAAAAAAAAAAAAAAAAAAAAAAAAAAAAAAAAAAAAAAAAAAAAAAAAAAAAAAAAAAAAAAAAAAAAAAAAAAAAAAAAAAAAAAAAAAAAAAAAAAAAAAAAAAAAAFAAAADwAAAAAAAAAAAAAAAAAAAkUAAAAAQAAABQAAAAUAAAAFAAAAAEAAAAAAAAAZAAAAGQAAAAAAAAAZAAAAGQAAAAVAAAAYAAAAAAAAAAAAAAADwAAACADAAAAAAAAAAAAAAEAAACgMgAAVgcAAKr4//8BAAAAf39/AAEAAABkAAAAAAAAABQAAABAHwAAAAAAACYAAAAAAAAAwOD//wAAAAAmAAAAZAAAABYAAABMAAAAAAAAAAAAAAAEAAAAAAAAAAEAAACAgIAKAAAAACgAAAAoAAAAZAAAAGQAAAAAAAAAzMzMAAAAAABQAAAAUAAAAGQAAABkAAAAAAAAABcAAAAUAAAAAAAAAAAAAAD/fwAA/38AAAAAAAAJAAAABAAAAHsAfAAeAAAAaAAAAAAAAAAAAAAAAAAAAAAAAAAAAAAAECcAABAnAAAAAAAAAAAAAAAAAAAAAAAAAAAAAAAAAAAAAAAAAAAAABQAAAAAAAAAwMD/AAAAAABkAAAAMgAAAAAAAABkAAAAAAAAAH9/fwAKAAAAIgAAABgAAAAAAAAAAAAAAAAAAAAAAAAAAAAAAAAAAAAkAAAAJAAAAAAAAAAHAAAAAAAAAAAAAAAAAAAAAAAAAAAAAAAAAAAAf39/ACUAAABYAAAAAAAAAAAAAAAAAAAAAAAAAAAAAAAAAAAAAAAAAAAAAAAAAAAAAAAAAAAAAAA/AAAAAAAAAKCGAQAAAAAAAAAAAAAAAAAMAAAAAQAAAAAAAAAAAAAAAAAAAB8AAABUAAAAAAAABQAAAAEAAAAAAAAAAAAAAAAAAAAAAAAAAAAAAAAAAAAAAAAAAAAAAAJ/f38AAAAAA8zMzADAwP8Af39/AAAAAAAAAAAAAAAAAAAAAAAAAAAAIQAAABgAAAAUAAAAwAMAANgJAABARwAAsCUAABAAAAAmAAAACAAAAP//////////MAAAABQAAAAAAAAAAAD//wAAAQAAAP//AAABAA=="/>
               </a:ext>
             </a:extLst>
           </p:cNvSpPr>
@@ -2904,7 +2904,7 @@
             <a:spLocks noGrp="1" noChangeArrowheads="1"/>
             <a:extLst>
               <a:ext uri="smNativeData">
-                <pr:smNativeData xmlns:pr="smNativeData" xmlns="smNativeData" val="SMDATA_16_zLafZxMAAAAlAAAAZAAAAA8BAAAAkAAAAEgAAACQAAAASAAAAAAAAAABAAAAAAAAAAEAAABQAAAAAAAAAAAA4D8AAAAAAADgPwAAAAAAAOA/AAAAAAAA4D8AAAAAAADgPwAAAAAAAOA/AAAAAAAA4D8AAAAAAADgPwAAAAAAAOA/AAAAAAAA4D8CAAAAjAAAAAAAAAAAAAAAu+DjDP///wgAAAAAAAAAAAAAAAAAAAAAAAAAAAAAAAAAAAAAZAAAAAEAAABAAAAAAAAAAAAAAAAAAAAAAAAAAAAAAAAAAAAAAAAAAAAAAAAAAAAAAAAAAAAAAAAAAAAAAAAAAAAAAAAAAAAAAAAAAAAAAAAAAAAAAAAAAAAAAAAAAAAAFAAAADwAAAAAAAAAAAAAAAAAAAkUAAAAAQAAABQAAAAUAAAAFAAAAAEAAAAAAAAAZAAAAGQAAAAAAAAAZAAAAGQAAAAVAAAAYAAAAAAAAAAAAAAADwAAACADAAAAAAAAAAAAAAEAAACgMgAAVgcAAKr4//8BAAAAf39/AAEAAABkAAAAAAAAABQAAABAHwAAAAAAACYAAAAAAAAAwOD//wAAAAAmAAAAZAAAABYAAABMAAAAAAAAAAAAAAAEAAAAAAAAAAEAAACAgIAKAAAAACgAAAAoAAAAZAAAAGQAAAAAAAAAzMzMAAAAAABQAAAAUAAAAGQAAABkAAAAAAAAABcAAAAUAAAAAAAAAAAAAAD/fwAA/38AAAAAAAAJAAAABAAAAHsAfAAeAAAAaAAAAAAAAAAAAAAAAAAAAAAAAAAAAAAAECcAABAnAAAAAAAAAAAAAAAAAAAAAAAAAAAAAAAAAAAAAAAAAAAAABQAAAAAAAAAwMD/AAAAAABkAAAAMgAAAAAAAABkAAAAAAAAAH9/fwAKAAAAIgAAABgAAAAAAAAAAAAAAAAAAAAAAAAAAAAAAAAAAAAkAAAAJAAAAAAAAAAHAAAAAAAAAAAAAAAAAAAAAAAAAAAAAAAAAAAAf39/ACUAAABYAAAAAAAAAAAAAAAAAAAAAAAAAAAAAAAAAAAAAAAAAAAAAAAAAAAAAAAAAAAAAAA/AAAAAAAAAKCGAQAAAAAAAAAAAAAAAAAMAAAAAQAAAAAAAAAAAAAAAAAAAB8AAABUAAAAAAAABQAAAAEAAAAAAAAAAAAAAAAAAAAAAAAAAAAAAAAAAAAAAAAAAAAAAAJ/f38AAAAAA8zMzADAwP8Af39/AAAAAAAAAAAAAAAAAAAAAAAAAAAAIQAAABgAAAAUAAAAwAMAABsnAAA/FQAAWSkAABAAAAAmAAAACAAAAP//////////MAAAABQAAAAAAAAAAAD//wAAAQAAAP//AAABAA=="/>
+                <pr:smNativeData xmlns:pr="smNativeData" xmlns="smNativeData" val="SMDATA_16_yvWgZxMAAAAlAAAAZAAAAA8BAAAAkAAAAEgAAACQAAAASAAAAAAAAAABAAAAAAAAAAEAAABQAAAAAAAAAAAA4D8AAAAAAADgPwAAAAAAAOA/AAAAAAAA4D8AAAAAAADgPwAAAAAAAOA/AAAAAAAA4D8AAAAAAADgPwAAAAAAAOA/AAAAAAAA4D8CAAAAjAAAAAAAAAAAAAAAu+DjDP///wgAAAAAAAAAAAAAAAAAAAAAAAAAAAAAAAAAAAAAZAAAAAEAAABAAAAAAAAAAAAAAAAAAAAAAAAAAAAAAAAAAAAAAAAAAAAAAAAAAAAAAAAAAAAAAAAAAAAAAAAAAAAAAAAAAAAAAAAAAAAAAAAAAAAAAAAAAAAAAAAAAAAAFAAAADwAAAAAAAAAAAAAAAAAAAkUAAAAAQAAABQAAAAUAAAAFAAAAAEAAAAAAAAAZAAAAGQAAAAAAAAAZAAAAGQAAAAVAAAAYAAAAAAAAAAAAAAADwAAACADAAAAAAAAAAAAAAEAAACgMgAAVgcAAKr4//8BAAAAf39/AAEAAABkAAAAAAAAABQAAABAHwAAAAAAACYAAAAAAAAAwOD//wAAAAAmAAAAZAAAABYAAABMAAAAAAAAAAAAAAAEAAAAAAAAAAEAAACAgIAKAAAAACgAAAAoAAAAZAAAAGQAAAAAAAAAzMzMAAAAAABQAAAAUAAAAGQAAABkAAAAAAAAABcAAAAUAAAAAAAAAAAAAAD/fwAA/38AAAAAAAAJAAAABAAAAHsAfAAeAAAAaAAAAAAAAAAAAAAAAAAAAAAAAAAAAAAAECcAABAnAAAAAAAAAAAAAAAAAAAAAAAAAAAAAAAAAAAAAAAAAAAAABQAAAAAAAAAwMD/AAAAAABkAAAAMgAAAAAAAABkAAAAAAAAAH9/fwAKAAAAIgAAABgAAAAAAAAAAAAAAAAAAAAAAAAAAAAAAAAAAAAkAAAAJAAAAAAAAAAHAAAAAAAAAAAAAAAAAAAAAAAAAAAAAAAAAAAAf39/ACUAAABYAAAAAAAAAAAAAAAAAAAAAAAAAAAAAAAAAAAAAAAAAAAAAAAAAAAAAAAAAAAAAAA/AAAAAAAAAKCGAQAAAAAAAAAAAAAAAAAMAAAAAQAAAAAAAAAAAAAAAAAAAB8AAABUAAAAAAAABQAAAAEAAAAAAAAAAAAAAAAAAAAAAAAAAAAAAAAAAAAAAAAAAAAAAAJ/f38AAAAAA8zMzADAwP8Af39/AAAAAAAAAAAAAAAAAAAAAAAAAAAAIQAAABgAAAAUAAAAwAMAABsnAAA/FQAAWSkAABAAAAAmAAAACAAAAP//////////MAAAABQAAAAAAAAAAAD//wAAAQAAAP//AAABAA=="/>
               </a:ext>
             </a:extLst>
           </p:cNvSpPr>
@@ -2939,7 +2939,7 @@
           </a:lstStyle>
           <a:p>
             <a:pPr/>
-            <a:fld id="{3FC4B4B7-F9D2-9142-9C7C-0F17FA326A5A}" type="datetime1">
+            <a:fld id="{3D145E7F-31D0-41A8-9EAC-C7FD10E26892}" type="datetime1">
               <a:t/>
             </a:fld>
           </a:p>
@@ -2952,7 +2952,7 @@
             <a:spLocks noGrp="1" noChangeArrowheads="1"/>
             <a:extLst>
               <a:ext uri="smNativeData">
-                <pr:smNativeData xmlns:pr="smNativeData" xmlns="smNativeData" val="SMDATA_16_zLafZxMAAAAlAAAAZAAAAA8BAAAAkAAAAEgAAACQAAAASAAAAAAAAAABAAAAAAAAAAEAAABQAAAAAAAAAAAA4D8AAAAAAADgPwAAAAAAAOA/AAAAAAAA4D8AAAAAAADgPwAAAAAAAOA/AAAAAAAA4D8AAAAAAADgPwAAAAAAAOA/AAAAAAAA4D8CAAAAjAAAAAAAAAAAAAAAu+DjDP///wgAAAAAAAAAAAAAAAAAAAAAAAAAAAAAAAAAAAAAZAAAAAEAAABAAAAAAAAAAAAAAAAAAAAAAAAAAAAAAAAAAAAAAAAAAAAAAAAAAAAAAAAAAAAAAAAAAAAAAAAAAAAAAAAAAAAAAAAAAAAAAAAAAAAAAAAAAAAAAAAAAAAAFAAAADwAAAAAAAAAAAAAAAAAAAkUAAAAAQAAABQAAAAUAAAAFAAAAAEAAAAAAAAAZAAAAGQAAAAAAAAAZAAAAGQAAAAVAAAAYAAAAAAAAAAAAAAADwAAACADAAAAAAAAAAAAAAEAAACgMgAAVgcAAKr4//8BAAAAf39/AAEAAABkAAAAAAAAABQAAABAHwAAAAAAACYAAAAAAAAAwOD//wAAAAAmAAAAZAAAABYAAABMAAAAAAAAAAAAAAAEAAAAAAAAAAEAAACAgIAKAAAAACgAAAAoAAAAZAAAAGQAAAAAAAAAzMzMAAAAAABQAAAAUAAAAGQAAABkAAAAAAAAABcAAAAUAAAAAAAAAAAAAAD/fwAA/38AAAAAAAAJAAAABAAAAAAAAAAeAAAAaAAAAAAAAAAAAAAAAAAAAAAAAAAAAAAAECcAABAnAAAAAAAAAAAAAAAAAAAAAAAAAAAAAAAAAAAAAAAAAAAAABQAAAAAAAAAwMD/AAAAAABkAAAAMgAAAAAAAABkAAAAAAAAAH9/fwAKAAAAIgAAABgAAAAAAAAAAAAAAAAAAAAAAAAAAAAAAAAAAAAkAAAAJAAAAAAAAAAHAAAAAAAAAAAAAAAAAAAAAAAAAAAAAAAAAAAAf39/ACUAAABYAAAAAAAAAAAAAAAAAAAAAAAAAAAAAAAAAAAAAAAAAAAAAAAAAAAAAAAAAAAAAAA/AAAAAAAAAKCGAQAAAAAAAAAAAAAAAAAMAAAAAQAAAAAAAAAAAAAAAAAAAB8AAABUAAAAAAAABQAAAAEAAAAAAAAAAAAAAAAAAAAAAAAAAAAAAAAAAAAAAAAAAAAAAAJ/f38AAAAAA8zMzADAwP8Af39/AAAAAAAAAAAAAAAAAAAAAAAAAAAAIQAAABgAAAAUAAAAoRkAABsnAABfMQAAWSkAABAAAAAmAAAACAAAAP//////////MAAAABQAAAAAAAAAAAD//wAAAQAAAP//AAABAA=="/>
+                <pr:smNativeData xmlns:pr="smNativeData" xmlns="smNativeData" val="SMDATA_16_yvWgZxMAAAAlAAAAZAAAAA8BAAAAkAAAAEgAAACQAAAASAAAAAAAAAABAAAAAAAAAAEAAABQAAAAAAAAAAAA4D8AAAAAAADgPwAAAAAAAOA/AAAAAAAA4D8AAAAAAADgPwAAAAAAAOA/AAAAAAAA4D8AAAAAAADgPwAAAAAAAOA/AAAAAAAA4D8CAAAAjAAAAAAAAAAAAAAAu+DjDP///wgAAAAAAAAAAAAAAAAAAAAAAAAAAAAAAAAAAAAAZAAAAAEAAABAAAAAAAAAAAAAAAAAAAAAAAAAAAAAAAAAAAAAAAAAAAAAAAAAAAAAAAAAAAAAAAAAAAAAAAAAAAAAAAAAAAAAAAAAAAAAAAAAAAAAAAAAAAAAAAAAAAAAFAAAADwAAAAAAAAAAAAAAAAAAAkUAAAAAQAAABQAAAAUAAAAFAAAAAEAAAAAAAAAZAAAAGQAAAAAAAAAZAAAAGQAAAAVAAAAYAAAAAAAAAAAAAAADwAAACADAAAAAAAAAAAAAAEAAACgMgAAVgcAAKr4//8BAAAAf39/AAEAAABkAAAAAAAAABQAAABAHwAAAAAAACYAAAAAAAAAwOD//wAAAAAmAAAAZAAAABYAAABMAAAAAAAAAAAAAAAEAAAAAAAAAAEAAACAgIAKAAAAACgAAAAoAAAAZAAAAGQAAAAAAAAAzMzMAAAAAABQAAAAUAAAAGQAAABkAAAAAAAAABcAAAAUAAAAAAAAAAAAAAD/fwAA/38AAAAAAAAJAAAABAAAAAAAAAAeAAAAaAAAAAAAAAAAAAAAAAAAAAAAAAAAAAAAECcAABAnAAAAAAAAAAAAAAAAAAAAAAAAAAAAAAAAAAAAAAAAAAAAABQAAAAAAAAAwMD/AAAAAABkAAAAMgAAAAAAAABkAAAAAAAAAH9/fwAKAAAAIgAAABgAAAAAAAAAAAAAAAAAAAAAAAAAAAAAAAAAAAAkAAAAJAAAAAAAAAAHAAAAAAAAAAAAAAAAAAAAAAAAAAAAAAAAAAAAf39/ACUAAABYAAAAAAAAAAAAAAAAAAAAAAAAAAAAAAAAAAAAAAAAAAAAAAAAAAAAAAAAAAAAAAA/AAAAAAAAAKCGAQAAAAAAAAAAAAAAAAAMAAAAAQAAAAAAAAAAAAAAAAAAAB8AAABUAAAAAAAABQAAAAEAAAAAAAAAAAAAAAAAAAAAAAAAAAAAAAAAAAAAAAAAAAAAAAJ/f38AAAAAA8zMzADAwP8Af39/AAAAAAAAAAAAAAAAAAAAAAAAAAAAIQAAABgAAAAUAAAAoRkAABsnAABfMQAAWSkAABAAAAAmAAAACAAAAP//////////MAAAABQAAAAAAAAAAAD//wAAAQAAAP//AAABAA=="/>
               </a:ext>
             </a:extLst>
           </p:cNvSpPr>
@@ -2997,7 +2997,7 @@
             <a:spLocks noGrp="1" noChangeArrowheads="1"/>
             <a:extLst>
               <a:ext uri="smNativeData">
-                <pr:smNativeData xmlns:pr="smNativeData" xmlns="smNativeData" val="SMDATA_16_zLafZxMAAAAlAAAAZAAAAA8BAAAAkAAAAEgAAACQAAAASAAAAAAAAAABAAAAAAAAAAEAAABQAAAAAAAAAAAA4D8AAAAAAADgPwAAAAAAAOA/AAAAAAAA4D8AAAAAAADgPwAAAAAAAOA/AAAAAAAA4D8AAAAAAADgPwAAAAAAAOA/AAAAAAAA4D8CAAAAjAAAAAAAAAAAAAAAu+DjDP///wgAAAAAAAAAAAAAAAAAAAAAAAAAAAAAAAAAAAAAZAAAAAEAAABAAAAAAAAAAAAAAAAAAAAAAAAAAAAAAAAAAAAAAAAAAAAAAAAAAAAAAAAAAAAAAAAAAAAAAAAAAAAAAAAAAAAAAAAAAAAAAAAAAAAAAAAAAAAAAAAAAAAAFAAAADwAAAAAAAAAAAAAAAAAAAkUAAAAAQAAABQAAAAUAAAAFAAAAAEAAAAAAAAAZAAAAGQAAAAAAAAAZAAAAGQAAAAVAAAAYAAAAAAAAAAAAAAADwAAACADAAAAAAAAAAAAAAEAAACgMgAAVgcAAKr4//8BAAAAf39/AAEAAABkAAAAAAAAABQAAABAHwAAAAAAACYAAAAAAAAAwOD//wAAAAAmAAAAZAAAABYAAABMAAAAAAAAAAAAAAAEAAAAAAAAAAEAAACAgIAKAAAAACgAAAAoAAAAZAAAAGQAAAAAAAAAzMzMAAAAAABQAAAAUAAAAGQAAABkAAAAAAAAABcAAAAUAAAAAAAAAAAAAAD/fwAA/38AAAAAAAAJAAAABAAAAP////8eAAAAaAAAAAAAAAAAAAAAAAAAAAAAAAAAAAAAECcAABAnAAAAAAAAAAAAAAAAAAAAAAAAAAAAAAAAAAAAAAAAAAAAABQAAAAAAAAAwMD/AAAAAABkAAAAMgAAAAAAAABkAAAAAAAAAH9/fwAKAAAAIgAAABgAAAAAAAAAAAAAAAAAAAAAAAAAAAAAAAAAAAAkAAAAJAAAAAAAAAAHAAAAAAAAAAAAAAAAAAAAAAAAAAAAAAAAAAAAf39/ACUAAABYAAAAAAAAAAAAAAAAAAAAAAAAAAAAAAAAAAAAAAAAAAAAAAAAAAAAAAAAAAAAAAA/AAAAAAAAAKCGAQAAAAAAAAAAAAAAAAAMAAAAAQAAAAAAAAAAAAAAAAAAAB8AAABUAAAAAAAABQAAAAEAAAAAAAAAAAAAAAAAAAAAAAAAAAAAAAAAAAAAAAAAAAAAAAJ/f38AAAAAA8zMzADAwP8Af39/AAAAAAAAAAAAAAAAAAAAAAAAAAAAIQAAABgAAAAUAAAAwTUAABsnAABARwAAWSkAABAAAAAmAAAACAAAAP//////////MAAAABQAAAAAAAAAAAD//wAAAQAAAP//AAABAA=="/>
+                <pr:smNativeData xmlns:pr="smNativeData" xmlns="smNativeData" val="SMDATA_16_yvWgZxMAAAAlAAAAZAAAAA8BAAAAkAAAAEgAAACQAAAASAAAAAAAAAABAAAAAAAAAAEAAABQAAAAAAAAAAAA4D8AAAAAAADgPwAAAAAAAOA/AAAAAAAA4D8AAAAAAADgPwAAAAAAAOA/AAAAAAAA4D8AAAAAAADgPwAAAAAAAOA/AAAAAAAA4D8CAAAAjAAAAAAAAAAAAAAAu+DjDP///wgAAAAAAAAAAAAAAAAAAAAAAAAAAAAAAAAAAAAAZAAAAAEAAABAAAAAAAAAAAAAAAAAAAAAAAAAAAAAAAAAAAAAAAAAAAAAAAAAAAAAAAAAAAAAAAAAAAAAAAAAAAAAAAAAAAAAAAAAAAAAAAAAAAAAAAAAAAAAAAAAAAAAFAAAADwAAAAAAAAAAAAAAAAAAAkUAAAAAQAAABQAAAAUAAAAFAAAAAEAAAAAAAAAZAAAAGQAAAAAAAAAZAAAAGQAAAAVAAAAYAAAAAAAAAAAAAAADwAAACADAAAAAAAAAAAAAAEAAACgMgAAVgcAAKr4//8BAAAAf39/AAEAAABkAAAAAAAAABQAAABAHwAAAAAAACYAAAAAAAAAwOD//wAAAAAmAAAAZAAAABYAAABMAAAAAAAAAAAAAAAEAAAAAAAAAAEAAACAgIAKAAAAACgAAAAoAAAAZAAAAGQAAAAAAAAAzMzMAAAAAABQAAAAUAAAAGQAAABkAAAAAAAAABcAAAAUAAAAAAAAAAAAAAD/fwAA/38AAAAAAAAJAAAABAAAAP////8eAAAAaAAAAAAAAAAAAAAAAAAAAAAAAAAAAAAAECcAABAnAAAAAAAAAAAAAAAAAAAAAAAAAAAAAAAAAAAAAAAAAAAAABQAAAAAAAAAwMD/AAAAAABkAAAAMgAAAAAAAABkAAAAAAAAAH9/fwAKAAAAIgAAABgAAAAAAAAAAAAAAAAAAAAAAAAAAAAAAAAAAAAkAAAAJAAAAAAAAAAHAAAAAAAAAAAAAAAAAAAAAAAAAAAAAAAAAAAAf39/ACUAAABYAAAAAAAAAAAAAAAAAAAAAAAAAAAAAAAAAAAAAAAAAAAAAAAAAAAAAAAAAAAAAAA/AAAAAAAAAKCGAQAAAAAAAAAAAAAAAAAMAAAAAQAAAAAAAAAAAAAAAAAAAB8AAABUAAAAAAAABQAAAAEAAAAAAAAAAAAAAAAAAAAAAAAAAAAAAAAAAAAAAAAAAAAAAAJ/f38AAAAAA8zMzADAwP8Af39/AAAAAAAAAAAAAAAAAAAAAAAAAAAAIQAAABgAAAAUAAAAwTUAABsnAABARwAAWSkAABAAAAAmAAAACAAAAP//////////MAAAABQAAAAAAAAAAAD//wAAAQAAAP//AAABAA=="/>
               </a:ext>
             </a:extLst>
           </p:cNvSpPr>
@@ -3032,7 +3032,7 @@
           </a:lstStyle>
           <a:p>
             <a:pPr/>
-            <a:fld id="{3FC4B6D2-9CD2-9140-9C7C-6A15F8326A3F}" type="slidenum">
+            <a:fld id="{3D141F65-2BD0-41E9-9EAC-DDBC51E26888}" type="slidenum">
               <a:t/>
             </a:fld>
           </a:p>
@@ -3711,7 +3711,7 @@
             <a:spLocks noGrp="1" noChangeArrowheads="1"/>
             <a:extLst>
               <a:ext uri="smNativeData">
-                <pr:smNativeData xmlns:pr="smNativeData" xmlns="smNativeData" val="SMDATA_16_zLafZxMAAAAlAAAAZAAAAA8BAAAAkAAAAEgAAACQAAAASAAAAAAAAAABAAAAAAAAAAEAAABQAAAAAAAAAAAA4D8AAAAAAADgPwAAAAAAAOA/AAAAAAAA4D8AAAAAAADgPwAAAAAAAOA/AAAAAAAA4D8AAAAAAADgPwAAAAAAAOA/AAAAAAAA4D8CAAAAjAAAAAAAAAAAAAAAu+DjDP///wgAAAAAAAAAAAAAAAAAAAAAAAAAAAAAAAAAAAAAZAAAAAEAAABAAAAAAAAAAAAAAAAAAAAAAAAAAAAAAAAAAAAAAAAAAAAAAAAAAAAAAAAAAAAAAAAAAAAAAAAAAAAAAAAAAAAAAAAAAAAAAAAAAAAAAAAAAAAAAAAAAAAAFAAAADwAAAAAAAAAAAAAAAAAAAkUAAAAAQAAABQAAAAUAAAAFAAAAAEAAAAAAAAAZAAAAGQAAAAAAAAAZAAAAGQAAAAVAAAAYAAAAAAAAAAAAAAADwAAACADAAAAAAAAAAAAAAEAAACgMgAAVgcAAKr4//8BAAAAf39/AAEAAABkAAAAAAAAABQAAABAHwAAAAAAACYAAAAAAAAAwOD//wAAAAAmAAAAZAAAABYAAABMAAAAAAAAAAAAAAAEAAAAAAAAAAEAAACAgIAKAAAAACgAAAAoAAAAZAAAAGQAAAAAAAAAzMzMAAAAAABQAAAAUAAAAGQAAABkAAAAAAAAABcAAAAUAAAAAAAAAAAAAAD/fwAA/38AAAAAAAAJAAAABAAAAAAAAAAeAAAAaAAAAAAAAAAAAAAAAAAAAAAAAAAAAAAAECcAABAnAAAAAAAAAAAAAAAAAAAAAAAAAAAAAAAAAAAAAAAAAAAAABQAAAAAAAAAwMD/AAAAAABkAAAAMgAAAAAAAABkAAAAAAAAAH9/fwAKAAAAIgAAABgAAAAAAAAAAAAAAAAAAAAAAAAAAAAAAAAAAAAkAAAAJAAAAAAAAAAHAAAAAAAAAAAAAAAAAAAAAAAAAAAAAAAAAAAAf39/ACUAAABYAAAAAAAAAAAAAAAAAAAAAAAAAAAAAAAAAAAAAAAAAAAAAAAAAAAAAAAAAAAAAAA/AAAAAAAAAKCGAQAAAAAAAAAAAAAAAAAMAAAAAQAAAAAAAAAAAAAAAAAAAB8AAABUAAAAAAAABQAAAAEAAAAAAAAAAAAAAAAAAAAAAAAAAAAAAAAAAAAAAAAAAAAAAAJ/f38AAAAAA8zMzADAwP8Af39/AAAAAAAAAAAAAAAAAAAAAAAAAAAAIQAAABgAAAAUAAAAwAMAALABAABARwAAuAgAABAAAAAmAAAACAAAAAAAAAAAAAAAMAAAABQAAAAAAAAAAAD//wAAAQAAAP//AAABAA=="/>
+                <pr:smNativeData xmlns:pr="smNativeData" xmlns="smNativeData" val="SMDATA_16_yvWgZxMAAAAlAAAAZAAAAA8BAAAAkAAAAEgAAACQAAAASAAAAAAAAAABAAAAAAAAAAEAAABQAAAAAAAAAAAA4D8AAAAAAADgPwAAAAAAAOA/AAAAAAAA4D8AAAAAAADgPwAAAAAAAOA/AAAAAAAA4D8AAAAAAADgPwAAAAAAAOA/AAAAAAAA4D8CAAAAjAAAAAAAAAAAAAAAu+DjDP///wgAAAAAAAAAAAAAAAAAAAAAAAAAAAAAAAAAAAAAZAAAAAEAAABAAAAAAAAAAAAAAAAAAAAAAAAAAAAAAAAAAAAAAAAAAAAAAAAAAAAAAAAAAAAAAAAAAAAAAAAAAAAAAAAAAAAAAAAAAAAAAAAAAAAAAAAAAAAAAAAAAAAAFAAAADwAAAAAAAAAAAAAAAAAAAkUAAAAAQAAABQAAAAUAAAAFAAAAAEAAAAAAAAAZAAAAGQAAAAAAAAAZAAAAGQAAAAVAAAAYAAAAAAAAAAAAAAADwAAACADAAAAAAAAAAAAAAEAAACgMgAAVgcAAKr4//8BAAAAf39/AAEAAABkAAAAAAAAABQAAABAHwAAAAAAACYAAAAAAAAAwOD//wAAAAAmAAAAZAAAABYAAABMAAAAAAAAAAAAAAAEAAAAAAAAAAEAAACAgIAKAAAAACgAAAAoAAAAZAAAAGQAAAAAAAAAzMzMAAAAAABQAAAAUAAAAGQAAABkAAAAAAAAABcAAAAUAAAAAAAAAAAAAAD/fwAA/38AAAAAAAAJAAAABAAAAAAAAAAeAAAAaAAAAAAAAAAAAAAAAAAAAAAAAAAAAAAAECcAABAnAAAAAAAAAAAAAAAAAAAAAAAAAAAAAAAAAAAAAAAAAAAAABQAAAAAAAAAwMD/AAAAAABkAAAAMgAAAAAAAABkAAAAAAAAAH9/fwAKAAAAIgAAABgAAAAAAAAAAAAAAAAAAAAAAAAAAAAAAAAAAAAkAAAAJAAAAAAAAAAHAAAAAAAAAAAAAAAAAAAAAAAAAAAAAAAAAAAAf39/ACUAAABYAAAAAAAAAAAAAAAAAAAAAAAAAAAAAAAAAAAAAAAAAAAAAAAAAAAAAAAAAAAAAAA/AAAAAAAAAKCGAQAAAAAAAAAAAAAAAAAMAAAAAQAAAAAAAAAAAAAAAAAAAB8AAABUAAAAAAAABQAAAAEAAAAAAAAAAAAAAAAAAAAAAAAAAAAAAAAAAAAAAAAAAAAAAAJ/f38AAAAAA8zMzADAwP8Af39/AAAAAAAAAAAAAAAAAAAAAAAAAAAAIQAAABgAAAAUAAAAwAMAALABAABARwAAuAgAABAAAAAmAAAACAAAAAAAAAAAAAAAMAAAABQAAAAAAAAAAAD//wAAAQAAAP//AAABAA=="/>
               </a:ext>
             </a:extLst>
           </p:cNvSpPr>
@@ -3738,7 +3738,7 @@
             <a:spLocks noGrp="1" noChangeArrowheads="1"/>
             <a:extLst>
               <a:ext uri="smNativeData">
-                <pr:smNativeData xmlns:pr="smNativeData" xmlns="smNativeData" val="SMDATA_16_zLafZxMAAAAlAAAAZAAAAA8BAAAAkAAAAEgAAACQAAAASAAAAAAAAAAAAAAAAAAAAAEAAABQAAAAAAAAAAAA4D8AAAAAAADgPwAAAAAAAOA/AAAAAAAA4D8AAAAAAADgPwAAAAAAAOA/AAAAAAAA4D8AAAAAAADgPwAAAAAAAOA/AAAAAAAA4D8CAAAAjAAAAAAAAAAAAAAAu+DjDP///wgAAAAAAAAAAAAAAAAAAAAAAAAAAAAAAAAAAAAAZAAAAAEAAABAAAAAAAAAAAAAAAAAAAAAAAAAAAAAAAAAAAAAAAAAAAAAAAAAAAAAAAAAAAAAAAAAAAAAAAAAAAAAAAAAAAAAAAAAAAAAAAAAAAAAAAAAAAAAAAAAAAAAFAAAADwAAAAAAAAAAAAAAAAAAAkUAAAAAQAAABQAAAAUAAAAFAAAAAEAAAAAAAAAZAAAAGQAAAAAAAAAZAAAAGQAAAAVAAAAYAAAAAAAAAAAAAAADwAAACADAAAAAAAAAAAAAAEAAACgMgAAVgcAAKr4//8BAAAAf39/AAEAAABkAAAAAAAAABQAAABAHwAAAAAAACYAAAAAAAAAwOD//wAAAAAmAAAAZAAAABYAAABMAAAAAAAAAAAAAAAEAAAAAAAAAAEAAACAgIAKAAAAACgAAAAoAAAAZAAAAGQAAAAAAAAAzMzMAAAAAABQAAAAUAAAAGQAAABkAAAAAAAAABcAAAAUAAAAAAAAAAAAAAD/fwAA/38AAAAAAAAJAAAABAAAAAAAAAAeAAAAaAAAAAAAAAAAAAAAAAAAAAAAAAAAAAAAECcAABAnAAAAAAAAAAAAAAAAAAAAAAAAAAAAAAAAAAAAAAAAAAAAABQAAAAAAAAAwMD/AAAAAABkAAAAMgAAAAAAAABkAAAAAAAAAH9/fwAKAAAAIgAAABgAAAAAAAAAAAAAAAAAAAAAAAAAAAAAAAAAAAAkAAAAJAAAAAAAAAAHAAAAAAAAAAAAAAAAAAAAAAAAAAAAAAAAAAAAf39/ACUAAABYAAAAAAAAAAAAAAAAAAAAAAAAAAAAAAAAAAAAAAAAAAAAAAAAAAAAAAAAAAAAAAA/AAAAAAAAAKCGAQAAAAAAAAAAAAAAAAAMAAAAAQAAAAAAAAAAAAAAAAAAAB8AAABUAAAAAAAABQAAAAEAAAAAAAAAAAAAAAAAAAAAAAAAAAAAAAAAAAAAAAAAAAAAAAJ/f38AAAAAA8zMzADAwP8Af39/AAAAAAAAAAAAAAAAAAAAAAAAAAAAIQAAABgAAAAUAAAAwAMAANgJAABARwAAsCUAABAAAAAmAAAACAAAAAAAAAAAAAAAMAAAABQAAAAAAAAAAAD//wAAAQAAAP//AAABAA=="/>
+                <pr:smNativeData xmlns:pr="smNativeData" xmlns="smNativeData" val="SMDATA_16_yvWgZxMAAAAlAAAAZAAAAA8BAAAAkAAAAEgAAACQAAAASAAAAAAAAAAAAAAAAAAAAAEAAABQAAAAAAAAAAAA4D8AAAAAAADgPwAAAAAAAOA/AAAAAAAA4D8AAAAAAADgPwAAAAAAAOA/AAAAAAAA4D8AAAAAAADgPwAAAAAAAOA/AAAAAAAA4D8CAAAAjAAAAAAAAAAAAAAAu+DjDP///wgAAAAAAAAAAAAAAAAAAAAAAAAAAAAAAAAAAAAAZAAAAAEAAABAAAAAAAAAAAAAAAAAAAAAAAAAAAAAAAAAAAAAAAAAAAAAAAAAAAAAAAAAAAAAAAAAAAAAAAAAAAAAAAAAAAAAAAAAAAAAAAAAAAAAAAAAAAAAAAAAAAAAFAAAADwAAAAAAAAAAAAAAAAAAAkUAAAAAQAAABQAAAAUAAAAFAAAAAEAAAAAAAAAZAAAAGQAAAAAAAAAZAAAAGQAAAAVAAAAYAAAAAAAAAAAAAAADwAAACADAAAAAAAAAAAAAAEAAACgMgAAVgcAAKr4//8BAAAAf39/AAEAAABkAAAAAAAAABQAAABAHwAAAAAAACYAAAAAAAAAwOD//wAAAAAmAAAAZAAAABYAAABMAAAAAAAAAAAAAAAEAAAAAAAAAAEAAACAgIAKAAAAACgAAAAoAAAAZAAAAGQAAAAAAAAAzMzMAAAAAABQAAAAUAAAAGQAAABkAAAAAAAAABcAAAAUAAAAAAAAAAAAAAD/fwAA/38AAAAAAAAJAAAABAAAAAAAAAAeAAAAaAAAAAAAAAAAAAAAAAAAAAAAAAAAAAAAECcAABAnAAAAAAAAAAAAAAAAAAAAAAAAAAAAAAAAAAAAAAAAAAAAABQAAAAAAAAAwMD/AAAAAABkAAAAMgAAAAAAAABkAAAAAAAAAH9/fwAKAAAAIgAAABgAAAAAAAAAAAAAAAAAAAAAAAAAAAAAAAAAAAAkAAAAJAAAAAAAAAAHAAAAAAAAAAAAAAAAAAAAAAAAAAAAAAAAAAAAf39/ACUAAABYAAAAAAAAAAAAAAAAAAAAAAAAAAAAAAAAAAAAAAAAAAAAAAAAAAAAAAAAAAAAAAA/AAAAAAAAAKCGAQAAAAAAAAAAAAAAAAAMAAAAAQAAAAAAAAAAAAAAAAAAAB8AAABUAAAAAAAABQAAAAEAAAAAAAAAAAAAAAAAAAAAAAAAAAAAAAAAAAAAAAAAAAAAAAJ/f38AAAAAA8zMzADAwP8Af39/AAAAAAAAAAAAAAAAAAAAAAAAAAAAIQAAABgAAAAUAAAAwAMAANgJAABARwAAsCUAABAAAAAmAAAACAAAAAAAAAAAAAAAMAAAABQAAAAAAAAAAAD//wAAAQAAAP//AAABAA=="/>
               </a:ext>
             </a:extLst>
           </p:cNvSpPr>
@@ -3799,7 +3799,7 @@
             <a:spLocks noGrp="1" noChangeArrowheads="1"/>
             <a:extLst>
               <a:ext uri="smNativeData">
-                <pr:smNativeData xmlns:pr="smNativeData" xmlns="smNativeData" val="SMDATA_16_zLafZxMAAAAlAAAAZAAAAA8BAAAAkAAAAEgAAACQAAAASAAAAAAAAAABAAAAAAAAAAEAAABQAAAAAAAAAAAA4D8AAAAAAADgPwAAAAAAAOA/AAAAAAAA4D8AAAAAAADgPwAAAAAAAOA/AAAAAAAA4D8AAAAAAADgPwAAAAAAAOA/AAAAAAAA4D8CAAAAjAAAAAAAAAAAAAAAu+DjDP///wgAAAAAAAAAAAAAAAAAAAAAAAAAAAAAAAAAAAAAZAAAAAEAAABAAAAAAAAAAAAAAAAAAAAAAAAAAAAAAAAAAAAAAAAAAAAAAAAAAAAAAAAAAAAAAAAAAAAAAAAAAAAAAAAAAAAAAAAAAAAAAAAAAAAAAAAAAAAAAAAAAAAAFAAAADwAAAAAAAAAAAAAAAAAAAkUAAAAAQAAABQAAAAUAAAAFAAAAAEAAAAAAAAAZAAAAGQAAAAAAAAAZAAAAGQAAAAVAAAAYAAAAAAAAAAAAAAADwAAACADAAAAAAAAAAAAAAEAAACgMgAAVgcAAKr4//8BAAAAf39/AAEAAABkAAAAAAAAABQAAABAHwAAAAAAACYAAAAAAAAAwOD//wAAAAAmAAAAZAAAABYAAABMAAAAAAAAAAAAAAAEAAAAAAAAAAEAAACAgIAKAAAAACgAAAAoAAAAZAAAAGQAAAAAAAAAzMzMAAAAAABQAAAAUAAAAGQAAABkAAAAAAAAABcAAAAUAAAAAAAAAAAAAAD/fwAA/38AAAAAAAAJAAAABAAAAAAAAAAeAAAAaAAAAAAAAAAAAAAAAAAAAAAAAAAAAAAAECcAABAnAAAAAAAAAAAAAAAAAAAAAAAAAAAAAAAAAAAAAAAAAAAAABQAAAAAAAAAwMD/AAAAAABkAAAAMgAAAAAAAABkAAAAAAAAAH9/fwAKAAAAIgAAABgAAAAAAAAAAAAAAAAAAAAAAAAAAAAAAAAAAAAkAAAAJAAAAAAAAAAHAAAAAAAAAAAAAAAAAAAAAAAAAAAAAAAAAAAAf39/ACUAAABYAAAAAAAAAAAAAAAAAAAAAAAAAAAAAAAAAAAAAAAAAAAAAAAAAAAAAAAAAAAAAAA/AAAAAAAAAKCGAQAAAAAAAAAAAAAAAAAMAAAAAQAAAAAAAAAAAAAAAAAAAB8AAABUAAAAAAAABQAAAAEAAAAAAAAAAAAAAAAAAAAAAAAAAAAAAAAAAAAAAAAAAAAAAAJ/f38AAAAAA8zMzADAwP8Af39/AAAAAAAAAAAAAAAAAAAAAAAAAAAAIQAAABgAAAAUAAAAwAMAALABAABARwAAuAgAABAAAAAmAAAACAAAAAAAAAAAAAAAMAAAABQAAAAAAAAAAAD//wAAAQAAAP//AAABAA=="/>
+                <pr:smNativeData xmlns:pr="smNativeData" xmlns="smNativeData" val="SMDATA_16_yvWgZxMAAAAlAAAAZAAAAA8BAAAAkAAAAEgAAACQAAAASAAAAAAAAAABAAAAAAAAAAEAAABQAAAAAAAAAAAA4D8AAAAAAADgPwAAAAAAAOA/AAAAAAAA4D8AAAAAAADgPwAAAAAAAOA/AAAAAAAA4D8AAAAAAADgPwAAAAAAAOA/AAAAAAAA4D8CAAAAjAAAAAAAAAAAAAAAu+DjDP///wgAAAAAAAAAAAAAAAAAAAAAAAAAAAAAAAAAAAAAZAAAAAEAAABAAAAAAAAAAAAAAAAAAAAAAAAAAAAAAAAAAAAAAAAAAAAAAAAAAAAAAAAAAAAAAAAAAAAAAAAAAAAAAAAAAAAAAAAAAAAAAAAAAAAAAAAAAAAAAAAAAAAAFAAAADwAAAAAAAAAAAAAAAAAAAkUAAAAAQAAABQAAAAUAAAAFAAAAAEAAAAAAAAAZAAAAGQAAAAAAAAAZAAAAGQAAAAVAAAAYAAAAAAAAAAAAAAADwAAACADAAAAAAAAAAAAAAEAAACgMgAAVgcAAKr4//8BAAAAf39/AAEAAABkAAAAAAAAABQAAABAHwAAAAAAACYAAAAAAAAAwOD//wAAAAAmAAAAZAAAABYAAABMAAAAAAAAAAAAAAAEAAAAAAAAAAEAAACAgIAKAAAAACgAAAAoAAAAZAAAAGQAAAAAAAAAzMzMAAAAAABQAAAAUAAAAGQAAABkAAAAAAAAABcAAAAUAAAAAAAAAAAAAAD/fwAA/38AAAAAAAAJAAAABAAAAAAAAAAeAAAAaAAAAAAAAAAAAAAAAAAAAAAAAAAAAAAAECcAABAnAAAAAAAAAAAAAAAAAAAAAAAAAAAAAAAAAAAAAAAAAAAAABQAAAAAAAAAwMD/AAAAAABkAAAAMgAAAAAAAABkAAAAAAAAAH9/fwAKAAAAIgAAABgAAAAAAAAAAAAAAAAAAAAAAAAAAAAAAAAAAAAkAAAAJAAAAAAAAAAHAAAAAAAAAAAAAAAAAAAAAAAAAAAAAAAAAAAAf39/ACUAAABYAAAAAAAAAAAAAAAAAAAAAAAAAAAAAAAAAAAAAAAAAAAAAAAAAAAAAAAAAAAAAAA/AAAAAAAAAKCGAQAAAAAAAAAAAAAAAAAMAAAAAQAAAAAAAAAAAAAAAAAAAB8AAABUAAAAAAAABQAAAAEAAAAAAAAAAAAAAAAAAAAAAAAAAAAAAAAAAAAAAAAAAAAAAAJ/f38AAAAAA8zMzADAwP8Af39/AAAAAAAAAAAAAAAAAAAAAAAAAAAAIQAAABgAAAAUAAAAwAMAALABAABARwAAuAgAABAAAAAmAAAACAAAAAAAAAAAAAAAMAAAABQAAAAAAAAAAAD//wAAAQAAAP//AAABAA=="/>
               </a:ext>
             </a:extLst>
           </p:cNvSpPr>
@@ -3828,7 +3828,7 @@
             <a:spLocks noGrp="1" noChangeArrowheads="1"/>
             <a:extLst>
               <a:ext uri="smNativeData">
-                <pr:smNativeData xmlns:pr="smNativeData" xmlns="smNativeData" val="SMDATA_16_zLafZxMAAAAlAAAAZAAAAA8BAAAAkAAAAEgAAACQAAAASAAAAAAAAAAAAAAAAAAAAAEAAABQAAAAAAAAAAAA4D8AAAAAAADgPwAAAAAAAOA/AAAAAAAA4D8AAAAAAADgPwAAAAAAAOA/AAAAAAAA4D8AAAAAAADgPwAAAAAAAOA/AAAAAAAA4D8CAAAAjAAAAAAAAAAAAAAAu+DjDP///wgAAAAAAAAAAAAAAAAAAAAAAAAAAAAAAAAAAAAAZAAAAAEAAABAAAAAAAAAAAAAAAAAAAAAAAAAAAAAAAAAAAAAAAAAAAAAAAAAAAAAAAAAAAAAAAAAAAAAAAAAAAAAAAAAAAAAAAAAAAAAAAAAAAAAAAAAAAAAAAAAAAAAFAAAADwAAAAAAAAAAAAAAAAAAAkUAAAAAQAAABQAAAAUAAAAFAAAAAEAAAAAAAAAZAAAAGQAAAAAAAAAZAAAAGQAAAAVAAAAYAAAAAAAAAAAAAAADwAAACADAAAAAAAAAAAAAAEAAACgMgAAVgcAAKr4//8BAAAAf39/AAEAAABkAAAAAAAAABQAAABAHwAAAAAAACYAAAAAAAAAwOD//wAAAAAmAAAAZAAAABYAAABMAAAAAAAAAAAAAAAEAAAAAAAAAAEAAACAgIAKAAAAACgAAAAoAAAAZAAAAGQAAAAAAAAAzMzMAAAAAABQAAAAUAAAAGQAAABkAAAAAAAAABcAAAAUAAAAAAAAAAAAAAD/fwAA/38AAAAAAAAJAAAABAAAAAAAAAAeAAAAaAAAAAAAAAAAAAAAAAAAAAAAAAAAAAAAECcAABAnAAAAAAAAAAAAAAAAAAAAAAAAAAAAAAAAAAAAAAAAAAAAABQAAAAAAAAAwMD/AAAAAABkAAAAMgAAAAAAAABkAAAAAAAAAH9/fwAKAAAAIgAAABgAAAAAAAAAAAAAAAAAAAAAAAAAAAAAAAAAAAAkAAAAJAAAAAAAAAAHAAAAAAAAAAAAAAAAAAAAAAAAAAAAAAAAAAAAf39/ACUAAABYAAAAAAAAAAAAAAAAAAAAAAAAAAAAAAAAAAAAAAAAAAAAAAAAAAAAAAAAAAAAAAA/AAAAAAAAAKCGAQAAAAAAAAAAAAAAAAAMAAAAAQAAAAAAAAAAAAAAAAAAAB8AAABUAAAAAAAABQAAAAEAAAAAAAAAAAAAAAAAAAAAAAAAAAAAAAAAAAAAAAAAAAAAAAJ/f38AAAAAA8zMzADAwP8Af39/AAAAAAAAAAAAAAAAAAAAAAAAAAAAIQAAABgAAAAUAAAAwAMAANgJAABARwAAsCUAABAAAAAmAAAACAAAAAAAAAAAAAAAMAAAABQAAAAAAAAAAAD//wAAAQAAAP//AAABAA=="/>
+                <pr:smNativeData xmlns:pr="smNativeData" xmlns="smNativeData" val="SMDATA_16_yvWgZxMAAAAlAAAAZAAAAA8BAAAAkAAAAEgAAACQAAAASAAAAAAAAAAAAAAAAAAAAAEAAABQAAAAAAAAAAAA4D8AAAAAAADgPwAAAAAAAOA/AAAAAAAA4D8AAAAAAADgPwAAAAAAAOA/AAAAAAAA4D8AAAAAAADgPwAAAAAAAOA/AAAAAAAA4D8CAAAAjAAAAAAAAAAAAAAAu+DjDP///wgAAAAAAAAAAAAAAAAAAAAAAAAAAAAAAAAAAAAAZAAAAAEAAABAAAAAAAAAAAAAAAAAAAAAAAAAAAAAAAAAAAAAAAAAAAAAAAAAAAAAAAAAAAAAAAAAAAAAAAAAAAAAAAAAAAAAAAAAAAAAAAAAAAAAAAAAAAAAAAAAAAAAFAAAADwAAAAAAAAAAAAAAAAAAAkUAAAAAQAAABQAAAAUAAAAFAAAAAEAAAAAAAAAZAAAAGQAAAAAAAAAZAAAAGQAAAAVAAAAYAAAAAAAAAAAAAAADwAAACADAAAAAAAAAAAAAAEAAACgMgAAVgcAAKr4//8BAAAAf39/AAEAAABkAAAAAAAAABQAAABAHwAAAAAAACYAAAAAAAAAwOD//wAAAAAmAAAAZAAAABYAAABMAAAAAAAAAAAAAAAEAAAAAAAAAAEAAACAgIAKAAAAACgAAAAoAAAAZAAAAGQAAAAAAAAAzMzMAAAAAABQAAAAUAAAAGQAAABkAAAAAAAAABcAAAAUAAAAAAAAAAAAAAD/fwAA/38AAAAAAAAJAAAABAAAAAAAAAAeAAAAaAAAAAAAAAAAAAAAAAAAAAAAAAAAAAAAECcAABAnAAAAAAAAAAAAAAAAAAAAAAAAAAAAAAAAAAAAAAAAAAAAABQAAAAAAAAAwMD/AAAAAABkAAAAMgAAAAAAAABkAAAAAAAAAH9/fwAKAAAAIgAAABgAAAAAAAAAAAAAAAAAAAAAAAAAAAAAAAAAAAAkAAAAJAAAAAAAAAAHAAAAAAAAAAAAAAAAAAAAAAAAAAAAAAAAAAAAf39/ACUAAABYAAAAAAAAAAAAAAAAAAAAAAAAAAAAAAAAAAAAAAAAAAAAAAAAAAAAAAAAAAAAAAA/AAAAAAAAAKCGAQAAAAAAAAAAAAAAAAAMAAAAAQAAAAAAAAAAAAAAAAAAAB8AAABUAAAAAAAABQAAAAEAAAAAAAAAAAAAAAAAAAAAAAAAAAAAAAAAAAAAAAAAAAAAAAJ/f38AAAAAA8zMzADAwP8Af39/AAAAAAAAAAAAAAAAAAAAAAAAAAAAIQAAABgAAAAUAAAAwAMAANgJAABARwAAsCUAABAAAAAmAAAACAAAAAAAAAAAAAAAMAAAABQAAAAAAAAAAAD//wAAAQAAAP//AAABAA=="/>
               </a:ext>
             </a:extLst>
           </p:cNvSpPr>
@@ -3923,7 +3923,7 @@
             <a:spLocks noGrp="1" noChangeArrowheads="1"/>
             <a:extLst>
               <a:ext uri="smNativeData">
-                <pr:smNativeData xmlns:pr="smNativeData" xmlns="smNativeData" val="SMDATA_16_zLafZxMAAAAlAAAAZAAAAA8BAAAAkAAAAEgAAACQAAAASAAAAAAAAAABAAAAAAAAAAEAAABQAAAAAAAAAAAA4D8AAAAAAADgPwAAAAAAAOA/AAAAAAAA4D8AAAAAAADgPwAAAAAAAOA/AAAAAAAA4D8AAAAAAADgPwAAAAAAAOA/AAAAAAAA4D8CAAAAjAAAAAAAAAAAAAAAu+DjDP///wgAAAAAAAAAAAAAAAAAAAAAAAAAAAAAAAAAAAAAZAAAAAEAAABAAAAAAAAAAAAAAAAAAAAAAAAAAAAAAAAAAAAAAAAAAAAAAAAAAAAAAAAAAAAAAAAAAAAAAAAAAAAAAAAAAAAAAAAAAAAAAAAAAAAAAAAAAAAAAAAAAAAAFAAAADwAAAAAAAAAAAAAAAAAAAkUAAAAAQAAABQAAAAUAAAAFAAAAAEAAAAAAAAAZAAAAGQAAAAAAAAAZAAAAGQAAAAVAAAAYAAAAAAAAAAAAAAADwAAACADAAAAAAAAAAAAAAEAAACgMgAAVgcAAKr4//8BAAAAf39/AAEAAABkAAAAAAAAABQAAABAHwAAAAAAACYAAAAAAAAAwOD//wAAAAAmAAAAZAAAABYAAABMAAAAAAAAAAAAAAAEAAAAAAAAAAEAAACAgIAKAAAAACgAAAAoAAAAZAAAAGQAAAAAAAAAzMzMAAAAAABQAAAAUAAAAGQAAABkAAAAAAAAABcAAAAUAAAAAAAAAAAAAAD/fwAA/38AAAAAAAAJAAAABAAAAAAAAAAeAAAAaAAAAAAAAAAAAAAAAAAAAAAAAAAAAAAAECcAABAnAAAAAAAAAAAAAAAAAAAAAAAAAAAAAAAAAAAAAAAAAAAAABQAAAAAAAAAwMD/AAAAAABkAAAAMgAAAAAAAABkAAAAAAAAAH9/fwAKAAAAIgAAABgAAAAAAAAAAAAAAAAAAAAAAAAAAAAAAAAAAAAkAAAAJAAAAAAAAAAHAAAAAAAAAAAAAAAAAAAAAAAAAAAAAAAAAAAAf39/ACUAAABYAAAAAAAAAAAAAAAAAAAAAAAAAAAAAAAAAAAAAAAAAAAAAAAAAAAAAAAAAAAAAAA/AAAAAAAAAKCGAQAAAAAAAAAAAAAAAAAMAAAAAQAAAAAAAAAAAAAAAAAAAB8AAABUAAAAAAAABQAAAAEAAAAAAAAAAAAAAAAAAAAAAAAAAAAAAAAAAAAAAAAAAAAAAAJ/f38AAAAAA8zMzADAwP8Af39/AAAAAAAAAAAAAAAAAAAAAAAAAAAAIQAAABgAAAAUAAAAwAMAALABAABARwAAuAgAABAAAAAmAAAACAAAAAAAAAAAAAAAMAAAABQAAAAAAAAAAAD//wAAAQAAAP//AAABAA=="/>
+                <pr:smNativeData xmlns:pr="smNativeData" xmlns="smNativeData" val="SMDATA_16_yvWgZxMAAAAlAAAAZAAAAA8BAAAAkAAAAEgAAACQAAAASAAAAAAAAAABAAAAAAAAAAEAAABQAAAAAAAAAAAA4D8AAAAAAADgPwAAAAAAAOA/AAAAAAAA4D8AAAAAAADgPwAAAAAAAOA/AAAAAAAA4D8AAAAAAADgPwAAAAAAAOA/AAAAAAAA4D8CAAAAjAAAAAAAAAAAAAAAu+DjDP///wgAAAAAAAAAAAAAAAAAAAAAAAAAAAAAAAAAAAAAZAAAAAEAAABAAAAAAAAAAAAAAAAAAAAAAAAAAAAAAAAAAAAAAAAAAAAAAAAAAAAAAAAAAAAAAAAAAAAAAAAAAAAAAAAAAAAAAAAAAAAAAAAAAAAAAAAAAAAAAAAAAAAAFAAAADwAAAAAAAAAAAAAAAAAAAkUAAAAAQAAABQAAAAUAAAAFAAAAAEAAAAAAAAAZAAAAGQAAAAAAAAAZAAAAGQAAAAVAAAAYAAAAAAAAAAAAAAADwAAACADAAAAAAAAAAAAAAEAAACgMgAAVgcAAKr4//8BAAAAf39/AAEAAABkAAAAAAAAABQAAABAHwAAAAAAACYAAAAAAAAAwOD//wAAAAAmAAAAZAAAABYAAABMAAAAAAAAAAAAAAAEAAAAAAAAAAEAAACAgIAKAAAAACgAAAAoAAAAZAAAAGQAAAAAAAAAzMzMAAAAAABQAAAAUAAAAGQAAABkAAAAAAAAABcAAAAUAAAAAAAAAAAAAAD/fwAA/38AAAAAAAAJAAAABAAAAAAAAAAeAAAAaAAAAAAAAAAAAAAAAAAAAAAAAAAAAAAAECcAABAnAAAAAAAAAAAAAAAAAAAAAAAAAAAAAAAAAAAAAAAAAAAAABQAAAAAAAAAwMD/AAAAAABkAAAAMgAAAAAAAABkAAAAAAAAAH9/fwAKAAAAIgAAABgAAAAAAAAAAAAAAAAAAAAAAAAAAAAAAAAAAAAkAAAAJAAAAAAAAAAHAAAAAAAAAAAAAAAAAAAAAAAAAAAAAAAAAAAAf39/ACUAAABYAAAAAAAAAAAAAAAAAAAAAAAAAAAAAAAAAAAAAAAAAAAAAAAAAAAAAAAAAAAAAAA/AAAAAAAAAKCGAQAAAAAAAAAAAAAAAAAMAAAAAQAAAAAAAAAAAAAAAAAAAB8AAABUAAAAAAAABQAAAAEAAAAAAAAAAAAAAAAAAAAAAAAAAAAAAAAAAAAAAAAAAAAAAAJ/f38AAAAAA8zMzADAwP8Af39/AAAAAAAAAAAAAAAAAAAAAAAAAAAAIQAAABgAAAAUAAAAwAMAALABAABARwAAuAgAABAAAAAmAAAACAAAAAAAAAAAAAAAMAAAABQAAAAAAAAAAAD//wAAAQAAAP//AAABAA=="/>
               </a:ext>
             </a:extLst>
           </p:cNvSpPr>
@@ -3952,7 +3952,7 @@
             <a:spLocks noGrp="1" noChangeArrowheads="1"/>
             <a:extLst>
               <a:ext uri="smNativeData">
-                <pr:smNativeData xmlns:pr="smNativeData" xmlns="smNativeData" val="SMDATA_16_zLafZxMAAAAlAAAAZAAAAA8BAAAAkAAAAEgAAACQAAAASAAAAAAAAAAAAAAAAAAAAAEAAABQAAAAAAAAAAAA4D8AAAAAAADgPwAAAAAAAOA/AAAAAAAA4D8AAAAAAADgPwAAAAAAAOA/AAAAAAAA4D8AAAAAAADgPwAAAAAAAOA/AAAAAAAA4D8CAAAAjAAAAAAAAAAAAAAAu+DjDP///wgAAAAAAAAAAAAAAAAAAAAAAAAAAAAAAAAAAAAAZAAAAAEAAABAAAAAAAAAAAAAAAAAAAAAAAAAAAAAAAAAAAAAAAAAAAAAAAAAAAAAAAAAAAAAAAAAAAAAAAAAAAAAAAAAAAAAAAAAAAAAAAAAAAAAAAAAAAAAAAAAAAAAFAAAADwAAAAAAAAAAAAAAAAAAAkUAAAAAQAAABQAAAAUAAAAFAAAAAEAAAAAAAAAZAAAAGQAAAAAAAAAZAAAAGQAAAAVAAAAYAAAAAAAAAAAAAAADwAAACADAAAAAAAAAAAAAAEAAACgMgAAVgcAAKr4//8BAAAAf39/AAEAAABkAAAAAAAAABQAAABAHwAAAAAAACYAAAAAAAAAwOD//wAAAAAmAAAAZAAAABYAAABMAAAAAAAAAAAAAAAEAAAAAAAAAAEAAACAgIAKAAAAACgAAAAoAAAAZAAAAGQAAAAAAAAAzMzMAAAAAABQAAAAUAAAAGQAAABkAAAAAAAAABcAAAAUAAAAAAAAAAAAAAD/fwAA/38AAAAAAAAJAAAABAAAAJQyrcweAAAAaAAAAAAAAAAAAAAAAAAAAAAAAAAAAAAAECcAABAnAAAAAAAAAAAAAAAAAAAAAAAAAAAAAAAAAAAAAAAAAAAAABQAAAAAAAAAwMD/AAAAAABkAAAAMgAAAAAAAABkAAAAAAAAAH9/fwAKAAAAIgAAABgAAAAAAAAAAAAAAAAAAAAAAAAAAAAAAAAAAAAkAAAAJAAAAAAAAAAHAAAAAAAAAAAAAAAAAAAAAAAAAAAAAAAAAAAAf39/ACUAAABYAAAAAAAAAAAAAAAAAAAAAAAAAAAAAAAAAAAAAAAAAAAAAAAAAAAAAAAAAAAAAAA/AAAAAAAAAKCGAQAAAAAAAAAAAAAAAAAMAAAAAQAAAAAAAAAAAAAAAAAAAB8AAABUAAAAAAAABQAAAAEAAAAAAAAAAAAAAAAAAAAAAAAAAAAAAAAAAAAAAAAAAAAAAAJ/f38AAAAAA8zMzADAwP8Af39/AAAAAAAAAAAAAAAAAAAAAAAAAAAAIQAAABgAAAAUAAAAwAMAANgJAABARwAAsCUAABAAAAAmAAAACAAAAAAAAAAAAAAAMAAAABQAAAAAAAAAAAD//wAAAQAAAP//AAABAA=="/>
+                <pr:smNativeData xmlns:pr="smNativeData" xmlns="smNativeData" val="SMDATA_16_yvWgZxMAAAAlAAAAZAAAAA8BAAAAkAAAAEgAAACQAAAASAAAAAAAAAAAAAAAAAAAAAEAAABQAAAAAAAAAAAA4D8AAAAAAADgPwAAAAAAAOA/AAAAAAAA4D8AAAAAAADgPwAAAAAAAOA/AAAAAAAA4D8AAAAAAADgPwAAAAAAAOA/AAAAAAAA4D8CAAAAjAAAAAAAAAAAAAAAu+DjDP///wgAAAAAAAAAAAAAAAAAAAAAAAAAAAAAAAAAAAAAZAAAAAEAAABAAAAAAAAAAAAAAAAAAAAAAAAAAAAAAAAAAAAAAAAAAAAAAAAAAAAAAAAAAAAAAAAAAAAAAAAAAAAAAAAAAAAAAAAAAAAAAAAAAAAAAAAAAAAAAAAAAAAAFAAAADwAAAAAAAAAAAAAAAAAAAkUAAAAAQAAABQAAAAUAAAAFAAAAAEAAAAAAAAAZAAAAGQAAAAAAAAAZAAAAGQAAAAVAAAAYAAAAAAAAAAAAAAADwAAACADAAAAAAAAAAAAAAEAAACgMgAAVgcAAKr4//8BAAAAf39/AAEAAABkAAAAAAAAABQAAABAHwAAAAAAACYAAAAAAAAAwOD//wAAAAAmAAAAZAAAABYAAABMAAAAAAAAAAAAAAAEAAAAAAAAAAEAAACAgIAKAAAAACgAAAAoAAAAZAAAAGQAAAAAAAAAzMzMAAAAAABQAAAAUAAAAGQAAABkAAAAAAAAABcAAAAUAAAAAAAAAAAAAAD/fwAA/38AAAAAAAAJAAAABAAAAJQyrcweAAAAaAAAAAAAAAAAAAAAAAAAAAAAAAAAAAAAECcAABAnAAAAAAAAAAAAAAAAAAAAAAAAAAAAAAAAAAAAAAAAAAAAABQAAAAAAAAAwMD/AAAAAABkAAAAMgAAAAAAAABkAAAAAAAAAH9/fwAKAAAAIgAAABgAAAAAAAAAAAAAAAAAAAAAAAAAAAAAAAAAAAAkAAAAJAAAAAAAAAAHAAAAAAAAAAAAAAAAAAAAAAAAAAAAAAAAAAAAf39/ACUAAABYAAAAAAAAAAAAAAAAAAAAAAAAAAAAAAAAAAAAAAAAAAAAAAAAAAAAAAAAAAAAAAA/AAAAAAAAAKCGAQAAAAAAAAAAAAAAAAAMAAAAAQAAAAAAAAAAAAAAAAAAAB8AAABUAAAAAAAABQAAAAEAAAAAAAAAAAAAAAAAAAAAAAAAAAAAAAAAAAAAAAAAAAAAAAJ/f38AAAAAA8zMzADAwP8Af39/AAAAAAAAAAAAAAAAAAAAAAAAAAAAIQAAABgAAAAUAAAAwAMAANgJAABARwAAsCUAABAAAAAmAAAACAAAAAAAAAAAAAAAMAAAABQAAAAAAAAAAAD//wAAAQAAAP//AAABAA=="/>
               </a:ext>
             </a:extLst>
           </p:cNvSpPr>
@@ -3986,7 +3986,7 @@
             <a:picLocks noChangeAspect="1"/>
             <a:extLst>
               <a:ext uri="smNativeData">
-                <pr:smNativeData xmlns:pr="smNativeData" xmlns="smNativeData" val="SMDATA_18_zLafZxMAAAAlAAAAEQAAAC8BAAAAkAAAAEgAAACQAAAASAAAAAAAAAAAAAAAAAAAAAEAAABQAAAAAAAAAAAA4D8AAAAAAADgPwAAAAAAAOA/AAAAAAAA4D8AAAAAAADgPwAAAAAAAOA/AAAAAAAA4D8AAAAAAADgPwAAAAAAAOA/AAAAAAAA4D8CAAAAjAAAAAAAAAAAAAAAu+DjDP///wgAAAAAAAAAAAAAAAAAAAAAAAAAAAAAAAAAAAAAZAAAAAEAAABAAAAAAAAAAAAAAAAAAAAAAAAAAAAAAAAAAAAAAAAAAAAAAAAAAAAAAAAAAAAAAAAAAAAAAAAAAAAAAAAAAAAAAAAAAAAAAAAAAAAAAAAAAAAAAAAAAAAAFAAAADwAAAAAAAAAAAAAAAAAAAkUAAAAAQAAABQAAAAUAAAAFAAAAAEAAAAAAAAAZAAAAGQAAAAAAAAAZAAAAGQAAAAVAAAAYAAAAAAAAAAAAAAADwAAACADAAAAAAAAAAAAAAEAAACgMgAAVgcAAKr4//8BAAAAf39/AAEAAABkAAAAAAAAABQAAABAHwAAAAAAACYAAAAAAAAAwOD//wAAAAAmAAAAZAAAABYAAABMAAAAAAAAAAAAAAAEAAAAAAAAAAEAAACAgIAKAAAAACgAAAAoAAAAZAAAAGQAAAAAAAAAzMzMAAAAAABQAAAAUAAAAGQAAABkAAAAAAAAAAcAAAA4AAAAAAAAAAAAAAAAAAAA////AAAAAAAAAAAAAAAAAAAAAAAAAAAAAAAAAAAAAABkAAAAZAAAAAAAAAAjAAAABAAAAGQAAAAXAAAAFAAAAAAAAAAAAAAA/38AAP9/AAAAAAAACQAAAAQAAABlAAAAHgAAAGgAAAAAAAAAAAAAAAAAAAAAAAAAAAAAABAnAAAQJwAAAAAAAAAAAAAAAAAAAAAAAAAAAAAAAAAAAAAAAAAAAAAUAAAAAAAAAMDA/wAAAAAAZAAAADIAAAAAAAAAZAAAAAAAAAB/f38ACgAAACIAAAAYAAAAAAAAAAAAAAAAAAAAAAAAAAAAAAAAAAAAJAAAACQAAAAAAAAABwAAAAAAAAAAAAAAAAAAAAAAAAAAAAAAAAAAAH9/fwAlAAAAWAAAAAAAAAAAAAAAAAAAAAAAAAAAAAAAAAAAAAAAAAAAAAAAAAAAAAAAAAAAAAAAPwAAAAAAAACghgEAAAAAAAAAAAAAAAAADAAAAAEAAAAAAAAAAAAAAAAAAAAfAAAAVAAAALvg4wX///8BAAAAAAAAAAAAAAAAAAAAAAAAAAAAAAAAAAAAAAAAAAAAAAACf39/AICAgAPMzMwAwMD/AH9/fwAAAAAAAAAAAAAAAAD///8AAAAAACEAAAAYAAAAFAAAAMADAABHGAAAdEUAAG4iAAAQAAAAJgAAAAgAAAD//////////zAAAAAUAAAAAAAAAAAA//8AAAEAAAD//wAAAQA="/>
+                <pr:smNativeData xmlns:pr="smNativeData" xmlns="smNativeData" val="SMDATA_18_yvWgZxMAAAAlAAAAEQAAAC8BAAAAkAAAAEgAAACQAAAASAAAAAAAAAAAAAAAAAAAAAEAAABQAAAAAAAAAAAA4D8AAAAAAADgPwAAAAAAAOA/AAAAAAAA4D8AAAAAAADgPwAAAAAAAOA/AAAAAAAA4D8AAAAAAADgPwAAAAAAAOA/AAAAAAAA4D8CAAAAjAAAAAAAAAAAAAAAu+DjDP///wgAAAAAAAAAAAAAAAAAAAAAAAAAAAAAAAAAAAAAZAAAAAEAAABAAAAAAAAAAAAAAAAAAAAAAAAAAAAAAAAAAAAAAAAAAAAAAAAAAAAAAAAAAAAAAAAAAAAAAAAAAAAAAAAAAAAAAAAAAAAAAAAAAAAAAAAAAAAAAAAAAAAAFAAAADwAAAAAAAAAAAAAAAAAAAkUAAAAAQAAABQAAAAUAAAAFAAAAAEAAAAAAAAAZAAAAGQAAAAAAAAAZAAAAGQAAAAVAAAAYAAAAAAAAAAAAAAADwAAACADAAAAAAAAAAAAAAEAAACgMgAAVgcAAKr4//8BAAAAf39/AAEAAABkAAAAAAAAABQAAABAHwAAAAAAACYAAAAAAAAAwOD//wAAAAAmAAAAZAAAABYAAABMAAAAAAAAAAAAAAAEAAAAAAAAAAEAAACAgIAKAAAAACgAAAAoAAAAZAAAAGQAAAAAAAAAzMzMAAAAAABQAAAAUAAAAGQAAABkAAAAAAAAAAcAAAA4AAAAAAAAAAAAAAAAAAAA////AAAAAAAAAAAAAAAAAAAAAAAAAAAAAAAAAAAAAABkAAAAZAAAAAAAAAAjAAAABAAAAGQAAAAXAAAAFAAAAAAAAAAAAAAA/38AAP9/AAAAAAAACQAAAAQAAABlAAAAHgAAAGgAAAAAAAAAAAAAAAAAAAAAAAAAAAAAABAnAAAQJwAAAAAAAAAAAAAAAAAAAAAAAAAAAAAAAAAAAAAAAAAAAAAUAAAAAAAAAMDA/wAAAAAAZAAAADIAAAAAAAAAZAAAAAAAAAB/f38ACgAAACIAAAAYAAAAAAAAAAAAAAAAAAAAAAAAAAAAAAAAAAAAJAAAACQAAAAAAAAABwAAAAAAAAAAAAAAAAAAAAAAAAAAAAAAAAAAAH9/fwAlAAAAWAAAAAAAAAAAAAAAAAAAAAAAAAAAAAAAAAAAAAAAAAAAAAAAAAAAAAAAAAAAAAAAPwAAAAAAAACghgEAAAAAAAAAAAAAAAAADAAAAAEAAAAAAAAAAAAAAAAAAAAfAAAAVAAAALvg4wX///8BAAAAAAAAAAAAAAAAAAAAAAAAAAAAAAAAAAAAAAAAAAAAAAACf39/AICAgAPMzMwAwMD/AH9/fwAAAAAAAAAAAAAAAAD///8AAAAAACEAAAAYAAAAFAAAAMADAABHGAAAdEUAAG4iAAAQAAAAJgAAAAgAAAD//////////zAAAAAUAAAAAAAAAAAA//8AAAEAAAD//wAAAQA="/>
               </a:ext>
             </a:extLst>
           </p:cNvPicPr>
@@ -4052,7 +4052,7 @@
             <a:spLocks noGrp="1" noChangeArrowheads="1"/>
             <a:extLst>
               <a:ext uri="smNativeData">
-                <pr:smNativeData xmlns:pr="smNativeData" xmlns="smNativeData" val="SMDATA_16_zLafZxMAAAAlAAAAZAAAAA8BAAAAkAAAAEgAAACQAAAASAAAAAAAAAABAAAAAAAAAAEAAABQAAAAAAAAAAAA4D8AAAAAAADgPwAAAAAAAOA/AAAAAAAA4D8AAAAAAADgPwAAAAAAAOA/AAAAAAAA4D8AAAAAAADgPwAAAAAAAOA/AAAAAAAA4D8CAAAAjAAAAAAAAAAAAAAAu+DjDP///wgAAAAAAAAAAAAAAAAAAAAAAAAAAAAAAAAAAAAAZAAAAAEAAABAAAAAAAAAAAAAAAAAAAAAAAAAAAAAAAAAAAAAAAAAAAAAAAAAAAAAAAAAAAAAAAAAAAAAAAAAAAAAAAAAAAAAAAAAAAAAAAAAAAAAAAAAAAAAAAAAAAAAFAAAADwAAAAAAAAAAAAAAAAAAAkUAAAAAQAAABQAAAAUAAAAFAAAAAEAAAAAAAAAZAAAAGQAAAAAAAAAZAAAAGQAAAAVAAAAYAAAAAAAAAAAAAAADwAAACADAAAAAAAAAAAAAAEAAACgMgAAVgcAAKr4//8BAAAAf39/AAEAAABkAAAAAAAAABQAAABAHwAAAAAAACYAAAAAAAAAwOD//wAAAAAmAAAAZAAAABYAAABMAAAAAAAAAAAAAAAEAAAAAAAAAAEAAACAgIAKAAAAACgAAAAoAAAAZAAAAGQAAAAAAAAAzMzMAAAAAABQAAAAUAAAAGQAAABkAAAAAAAAABcAAAAUAAAAAAAAAAAAAAD/fwAA/38AAAAAAAAJAAAABAAAAO8CAAAeAAAAaAAAAAAAAAAAAAAAAAAAAAAAAAAAAAAAECcAABAnAAAAAAAAAAAAAAAAAAAAAAAAAAAAAAAAAAAAAAAAAAAAABQAAAAAAAAAwMD/AAAAAABkAAAAMgAAAAAAAABkAAAAAAAAAH9/fwAKAAAAIgAAABgAAAAAAAAAAAAAAAAAAAAAAAAAAAAAAAAAAAAkAAAAJAAAAAAAAAAHAAAAAAAAAAAAAAAAAAAAAAAAAAAAAAAAAAAAf39/ACUAAABYAAAAAAAAAAAAAAAAAAAAAAAAAAAAAAAAAAAAAAAAAAAAAAAAAAAAAAAAAAAAAAA/AAAAAAAAAKCGAQAAAAAAAAAAAAAAAAAMAAAAAQAAAAAAAAAAAAAAAAAAAB8AAABUAAAAAAAABQAAAAEAAAAAAAAAAAAAAAAAAAAAAAAAAAAAAAAAAAAAAAAAAAAAAAJ/f38AAAAAA8zMzADAwP8Af39/AAAAAAAAAAAAAAAAAAAAAAAAAAAAIQAAABgAAAAUAAAAwAMAALABAABARwAAuAgAABAAAAAmAAAACAAAAAAAAAAAAAAAMAAAABQAAAAAAAAAAAD//wAAAQAAAP//AAABAA=="/>
+                <pr:smNativeData xmlns:pr="smNativeData" xmlns="smNativeData" val="SMDATA_16_yvWgZxMAAAAlAAAAZAAAAA8BAAAAkAAAAEgAAACQAAAASAAAAAAAAAABAAAAAAAAAAEAAABQAAAAAAAAAAAA4D8AAAAAAADgPwAAAAAAAOA/AAAAAAAA4D8AAAAAAADgPwAAAAAAAOA/AAAAAAAA4D8AAAAAAADgPwAAAAAAAOA/AAAAAAAA4D8CAAAAjAAAAAAAAAAAAAAAu+DjDP///wgAAAAAAAAAAAAAAAAAAAAAAAAAAAAAAAAAAAAAZAAAAAEAAABAAAAAAAAAAAAAAAAAAAAAAAAAAAAAAAAAAAAAAAAAAAAAAAAAAAAAAAAAAAAAAAAAAAAAAAAAAAAAAAAAAAAAAAAAAAAAAAAAAAAAAAAAAAAAAAAAAAAAFAAAADwAAAAAAAAAAAAAAAAAAAkUAAAAAQAAABQAAAAUAAAAFAAAAAEAAAAAAAAAZAAAAGQAAAAAAAAAZAAAAGQAAAAVAAAAYAAAAAAAAAAAAAAADwAAACADAAAAAAAAAAAAAAEAAACgMgAAVgcAAKr4//8BAAAAf39/AAEAAABkAAAAAAAAABQAAABAHwAAAAAAACYAAAAAAAAAwOD//wAAAAAmAAAAZAAAABYAAABMAAAAAAAAAAAAAAAEAAAAAAAAAAEAAACAgIAKAAAAACgAAAAoAAAAZAAAAGQAAAAAAAAAzMzMAAAAAABQAAAAUAAAAGQAAABkAAAAAAAAABcAAAAUAAAAAAAAAAAAAAD/fwAA/38AAAAAAAAJAAAABAAAAO8CAAAeAAAAaAAAAAAAAAAAAAAAAAAAAAAAAAAAAAAAECcAABAnAAAAAAAAAAAAAAAAAAAAAAAAAAAAAAAAAAAAAAAAAAAAABQAAAAAAAAAwMD/AAAAAABkAAAAMgAAAAAAAABkAAAAAAAAAH9/fwAKAAAAIgAAABgAAAAAAAAAAAAAAAAAAAAAAAAAAAAAAAAAAAAkAAAAJAAAAAAAAAAHAAAAAAAAAAAAAAAAAAAAAAAAAAAAAAAAAAAAf39/ACUAAABYAAAAAAAAAAAAAAAAAAAAAAAAAAAAAAAAAAAAAAAAAAAAAAAAAAAAAAAAAAAAAAA/AAAAAAAAAKCGAQAAAAAAAAAAAAAAAAAMAAAAAQAAAAAAAAAAAAAAAAAAAB8AAABUAAAAAAAABQAAAAEAAAAAAAAAAAAAAAAAAAAAAAAAAAAAAAAAAAAAAAAAAAAAAAJ/f38AAAAAA8zMzADAwP8Af39/AAAAAAAAAAAAAAAAAAAAAAAAAAAAIQAAABgAAAAUAAAAwAMAALABAABARwAAuAgAABAAAAAmAAAACAAAAAAAAAAAAAAAMAAAABQAAAAAAAAAAAD//wAAAQAAAP//AAABAA=="/>
               </a:ext>
             </a:extLst>
           </p:cNvSpPr>
@@ -4079,7 +4079,7 @@
             <a:spLocks noGrp="1" noChangeArrowheads="1"/>
             <a:extLst>
               <a:ext uri="smNativeData">
-                <pr:smNativeData xmlns:pr="smNativeData" xmlns="smNativeData" val="SMDATA_16_zLafZxMAAAAlAAAAZAAAAA8BAAAAkAAAAEgAAACQAAAASAAAAAAAAAAAAAAAAAAAAAEAAABQAAAAAAAAAAAA4D8AAAAAAADgPwAAAAAAAOA/AAAAAAAA4D8AAAAAAADgPwAAAAAAAOA/AAAAAAAA4D8AAAAAAADgPwAAAAAAAOA/AAAAAAAA4D8CAAAAjAAAAAAAAAAAAAAAu+DjDP///wgAAAAAAAAAAAAAAAAAAAAAAAAAAAAAAAAAAAAAZAAAAAEAAABAAAAAAAAAAAAAAAAAAAAAAAAAAAAAAAAAAAAAAAAAAAAAAAAAAAAAAAAAAAAAAAAAAAAAAAAAAAAAAAAAAAAAAAAAAAAAAAAAAAAAAAAAAAAAAAAAAAAAFAAAADwAAAAAAAAAAAAAAAAAAAkUAAAAAQAAABQAAAAUAAAAFAAAAAEAAAAAAAAAZAAAAGQAAAAAAAAAZAAAAGQAAAAVAAAAYAAAAAAAAAAAAAAADwAAACADAAAAAAAAAAAAAAEAAACgMgAAVgcAAKr4//8BAAAAf39/AAEAAABkAAAAAAAAABQAAABAHwAAAAAAACYAAAAAAAAAwOD//wAAAAAmAAAAZAAAABYAAABMAAAAAAAAAAAAAAAEAAAAAAAAAAEAAACAgIAKAAAAACgAAAAoAAAAZAAAAGQAAAAAAAAAzMzMAAAAAABQAAAAUAAAAGQAAABkAAAAAAAAABcAAAAUAAAAAAAAAAAAAAD/fwAA/38AAAAAAAAJAAAABAAAAGICAAAeAAAAaAAAAAAAAAAAAAAAAAAAAAAAAAAAAAAAECcAABAnAAAAAAAAAAAAAAAAAAAAAAAAAAAAAAAAAAAAAAAAAAAAABQAAAAAAAAAwMD/AAAAAABkAAAAMgAAAAAAAABkAAAAAAAAAH9/fwAKAAAAIgAAABgAAAAAAAAAAAAAAAAAAAAAAAAAAAAAAAAAAAAkAAAAJAAAAAAAAAAHAAAAAAAAAAAAAAAAAAAAAAAAAAAAAAAAAAAAf39/ACUAAABYAAAAAAAAAAAAAAAAAAAAAAAAAAAAAAAAAAAAAAAAAAAAAAAAAAAAAAAAAAAAAAA/AAAAAAAAAKCGAQAAAAAAAAAAAAAAAAAMAAAAAQAAAAAAAAAAAAAAAAAAAB8AAABUAAAAAAAABQAAAAEAAAAAAAAAAAAAAAAAAAAAAAAAAAAAAAAAAAAAAAAAAAAAAAJ/f38AAAAAA8zMzADAwP8Af39/AAAAAAAAAAAAAAAAAAAAAAAAAAAAIQAAABgAAAAUAAAAwAMAANgJAABARwAAsCUAABAAAAAmAAAACAAAAAAAAAAAAAAAMAAAABQAAAAAAAAAAAD//wAAAQAAAP//AAABAA=="/>
+                <pr:smNativeData xmlns:pr="smNativeData" xmlns="smNativeData" val="SMDATA_16_yvWgZxMAAAAlAAAAZAAAAA8BAAAAkAAAAEgAAACQAAAASAAAAAAAAAAAAAAAAAAAAAEAAABQAAAAAAAAAAAA4D8AAAAAAADgPwAAAAAAAOA/AAAAAAAA4D8AAAAAAADgPwAAAAAAAOA/AAAAAAAA4D8AAAAAAADgPwAAAAAAAOA/AAAAAAAA4D8CAAAAjAAAAAAAAAAAAAAAu+DjDP///wgAAAAAAAAAAAAAAAAAAAAAAAAAAAAAAAAAAAAAZAAAAAEAAABAAAAAAAAAAAAAAAAAAAAAAAAAAAAAAAAAAAAAAAAAAAAAAAAAAAAAAAAAAAAAAAAAAAAAAAAAAAAAAAAAAAAAAAAAAAAAAAAAAAAAAAAAAAAAAAAAAAAAFAAAADwAAAAAAAAAAAAAAAAAAAkUAAAAAQAAABQAAAAUAAAAFAAAAAEAAAAAAAAAZAAAAGQAAAAAAAAAZAAAAGQAAAAVAAAAYAAAAAAAAAAAAAAADwAAACADAAAAAAAAAAAAAAEAAACgMgAAVgcAAKr4//8BAAAAf39/AAEAAABkAAAAAAAAABQAAABAHwAAAAAAACYAAAAAAAAAwOD//wAAAAAmAAAAZAAAABYAAABMAAAAAAAAAAAAAAAEAAAAAAAAAAEAAACAgIAKAAAAACgAAAAoAAAAZAAAAGQAAAAAAAAAzMzMAAAAAABQAAAAUAAAAGQAAABkAAAAAAAAABcAAAAUAAAAAAAAAAAAAAD/fwAA/38AAAAAAAAJAAAABAAAAGICAAAeAAAAaAAAAAAAAAAAAAAAAAAAAAAAAAAAAAAAECcAABAnAAAAAAAAAAAAAAAAAAAAAAAAAAAAAAAAAAAAAAAAAAAAABQAAAAAAAAAwMD/AAAAAABkAAAAMgAAAAAAAABkAAAAAAAAAH9/fwAKAAAAIgAAABgAAAAAAAAAAAAAAAAAAAAAAAAAAAAAAAAAAAAkAAAAJAAAAAAAAAAHAAAAAAAAAAAAAAAAAAAAAAAAAAAAAAAAAAAAf39/ACUAAABYAAAAAAAAAAAAAAAAAAAAAAAAAAAAAAAAAAAAAAAAAAAAAAAAAAAAAAAAAAAAAAA/AAAAAAAAAKCGAQAAAAAAAAAAAAAAAAAMAAAAAQAAAAAAAAAAAAAAAAAAAB8AAABUAAAAAAAABQAAAAEAAAAAAAAAAAAAAAAAAAAAAAAAAAAAAAAAAAAAAAAAAAAAAAJ/f38AAAAAA8zMzADAwP8Af39/AAAAAAAAAAAAAAAAAAAAAAAAAAAAIQAAABgAAAAUAAAAwAMAANgJAABARwAAsCUAABAAAAAmAAAACAAAAAAAAAAAAAAAMAAAABQAAAAAAAAAAAD//wAAAQAAAP//AAABAA=="/>
               </a:ext>
             </a:extLst>
           </p:cNvSpPr>
@@ -4138,7 +4138,7 @@
             <a:picLocks noChangeAspect="1"/>
             <a:extLst>
               <a:ext uri="smNativeData">
-                <pr:smNativeData xmlns:pr="smNativeData" xmlns="smNativeData" val="SMDATA_18_zLafZxMAAAAlAAAAEQAAAC8BAAAAkAAAAEgAAACQAAAASAAAAAAAAAAAAAAAAAAAAAEAAABQAAAAAAAAAAAA4D8AAAAAAADgPwAAAAAAAOA/AAAAAAAA4D8AAAAAAADgPwAAAAAAAOA/AAAAAAAA4D8AAAAAAADgPwAAAAAAAOA/AAAAAAAA4D8CAAAAjAAAAAAAAAAAAAAAu+DjDP///wgAAAAAAAAAAAAAAAAAAAAAAAAAAAAAAAAAAAAAZAAAAAEAAABAAAAAAAAAAAAAAAAAAAAAAAAAAAAAAAAAAAAAAAAAAAAAAAAAAAAAAAAAAAAAAAAAAAAAAAAAAAAAAAAAAAAAAAAAAAAAAAAAAAAAAAAAAAAAAAAAAAAAFAAAADwAAAAAAAAAAAAAAAAAAAkUAAAAAQAAABQAAAAUAAAAFAAAAAEAAAAAAAAAZAAAAGQAAAAAAAAAZAAAAGQAAAAVAAAAYAAAAAAAAAAAAAAADwAAACADAAAAAAAAAAAAAAEAAACgMgAAVgcAAKr4//8BAAAAf39/AAEAAABkAAAAAAAAABQAAABAHwAAAAAAACYAAAAAAAAAwOD//wAAAAAmAAAAZAAAABYAAABMAAAAAAAAAAAAAAAEAAAAAAAAAAEAAACAgIAKAAAAACgAAAAoAAAAZAAAAGQAAAAAAAAAzMzMAAAAAABQAAAAUAAAAGQAAABkAAAAAAAAAAcAAAA4AAAAAAAAAAAAAAAAAAAA////AAAAAAAAAAAAAAAAAAAAAAAAAAAAAAAAAAAAAABkAAAAZAAAAAAAAAAjAAAABAAAAGQAAAAXAAAAFAAAAAAAAAAAAAAA/38AAP9/AAAAAAAACQAAAAQAAAAAAAAAHgAAAGgAAAAAAAAAAAAAAAAAAAAAAAAAAAAAABAnAAAQJwAAAAAAAAAAAAAAAAAAAAAAAAAAAAAAAAAAAAAAAAAAAAAUAAAAAAAAAMDA/wAAAAAAZAAAADIAAAAAAAAAZAAAAAAAAAB/f38ACgAAACIAAAAYAAAAAAAAAAAAAAAAAAAAAAAAAAAAAAAAAAAAJAAAACQAAAAAAAAABwAAAAAAAAAAAAAAAAAAAAAAAAAAAAAAAAAAAH9/fwAlAAAAWAAAAAAAAAAAAAAAAAAAAAAAAAAAAAAAAAAAAAAAAAAAAAAAAAAAAAAAAAAAAAAAPwAAAAAAAACghgEAAAAAAAAAAAAAAAAADAAAAAEAAAAAAAAAAAAAAAAAAAAfAAAAVAAAALvg4wX///8BAAAAAAAAAAAAAAAAAAAAAAAAAAAAAAAAAAAAAAAAAAAAAAACf39/AICAgAPMzMwAwMD/AH9/fwAAAAAAAAAAAAAAAAD///8AAAAAACEAAAAYAAAAFAAAAMADAAD0IAAAmCsAALAlAAAQAAAAJgAAAAgAAAD//////////zAAAAAUAAAAAAAAAAAA//8AAAEAAAD//wAAAQA="/>
+                <pr:smNativeData xmlns:pr="smNativeData" xmlns="smNativeData" val="SMDATA_18_yvWgZxMAAAAlAAAAEQAAAC8BAAAAkAAAAEgAAACQAAAASAAAAAAAAAAAAAAAAAAAAAEAAABQAAAAAAAAAAAA4D8AAAAAAADgPwAAAAAAAOA/AAAAAAAA4D8AAAAAAADgPwAAAAAAAOA/AAAAAAAA4D8AAAAAAADgPwAAAAAAAOA/AAAAAAAA4D8CAAAAjAAAAAAAAAAAAAAAu+DjDP///wgAAAAAAAAAAAAAAAAAAAAAAAAAAAAAAAAAAAAAZAAAAAEAAABAAAAAAAAAAAAAAAAAAAAAAAAAAAAAAAAAAAAAAAAAAAAAAAAAAAAAAAAAAAAAAAAAAAAAAAAAAAAAAAAAAAAAAAAAAAAAAAAAAAAAAAAAAAAAAAAAAAAAFAAAADwAAAAAAAAAAAAAAAAAAAkUAAAAAQAAABQAAAAUAAAAFAAAAAEAAAAAAAAAZAAAAGQAAAAAAAAAZAAAAGQAAAAVAAAAYAAAAAAAAAAAAAAADwAAACADAAAAAAAAAAAAAAEAAACgMgAAVgcAAKr4//8BAAAAf39/AAEAAABkAAAAAAAAABQAAABAHwAAAAAAACYAAAAAAAAAwOD//wAAAAAmAAAAZAAAABYAAABMAAAAAAAAAAAAAAAEAAAAAAAAAAEAAACAgIAKAAAAACgAAAAoAAAAZAAAAGQAAAAAAAAAzMzMAAAAAABQAAAAUAAAAGQAAABkAAAAAAAAAAcAAAA4AAAAAAAAAAAAAAAAAAAA////AAAAAAAAAAAAAAAAAAAAAAAAAAAAAAAAAAAAAABkAAAAZAAAAAAAAAAjAAAABAAAAGQAAAAXAAAAFAAAAAAAAAAAAAAA/38AAP9/AAAAAAAACQAAAAQAAAAAAAAAHgAAAGgAAAAAAAAAAAAAAAAAAAAAAAAAAAAAABAnAAAQJwAAAAAAAAAAAAAAAAAAAAAAAAAAAAAAAAAAAAAAAAAAAAAUAAAAAAAAAMDA/wAAAAAAZAAAADIAAAAAAAAAZAAAAAAAAAB/f38ACgAAACIAAAAYAAAAAAAAAAAAAAAAAAAAAAAAAAAAAAAAAAAAJAAAACQAAAAAAAAABwAAAAAAAAAAAAAAAAAAAAAAAAAAAAAAAAAAAH9/fwAlAAAAWAAAAAAAAAAAAAAAAAAAAAAAAAAAAAAAAAAAAAAAAAAAAAAAAAAAAAAAAAAAAAAAPwAAAAAAAACghgEAAAAAAAAAAAAAAAAADAAAAAEAAAAAAAAAAAAAAAAAAAAfAAAAVAAAALvg4wX///8BAAAAAAAAAAAAAAAAAAAAAAAAAAAAAAAAAAAAAAAAAAAAAAACf39/AICAgAPMzMwAwMD/AH9/fwAAAAAAAAAAAAAAAAD///8AAAAAACEAAAAYAAAAFAAAAMADAAD0IAAAmCsAALAlAAAQAAAAJgAAAAgAAAD//////////zAAAAAUAAAAAAAAAAAA//8AAAEAAAD//wAAAQA="/>
               </a:ext>
             </a:extLst>
           </p:cNvPicPr>
@@ -4204,7 +4204,7 @@
             <a:spLocks noGrp="1" noChangeArrowheads="1"/>
             <a:extLst>
               <a:ext uri="smNativeData">
-                <pr:smNativeData xmlns:pr="smNativeData" xmlns="smNativeData" val="SMDATA_16_zLafZxMAAAAlAAAAZAAAAA8BAAAAkAAAAEgAAACQAAAASAAAAAAAAAABAAAAAAAAAAEAAABQAAAAAAAAAAAA4D8AAAAAAADgPwAAAAAAAOA/AAAAAAAA4D8AAAAAAADgPwAAAAAAAOA/AAAAAAAA4D8AAAAAAADgPwAAAAAAAOA/AAAAAAAA4D8CAAAAjAAAAAAAAAAAAAAAu+DjDP///wgAAAAAAAAAAAAAAAAAAAAAAAAAAAAAAAAAAAAAZAAAAAEAAABAAAAAAAAAAAAAAAAAAAAAAAAAAAAAAAAAAAAAAAAAAAAAAAAAAAAAAAAAAAAAAAAAAAAAAAAAAAAAAAAAAAAAAAAAAAAAAAAAAAAAAAAAAAAAAAAAAAAAFAAAADwAAAAAAAAAAAAAAAAAAAkUAAAAAQAAABQAAAAUAAAAFAAAAAEAAAAAAAAAZAAAAGQAAAAAAAAAZAAAAGQAAAAVAAAAYAAAAAAAAAAAAAAADwAAACADAAAAAAAAAAAAAAEAAACgMgAAVgcAAKr4//8BAAAAf39/AAEAAABkAAAAAAAAABQAAABAHwAAAAAAACYAAAAAAAAAwOD//wAAAAAmAAAAZAAAABYAAABMAAAAAAAAAAAAAAAEAAAAAAAAAAEAAACAgIAKAAAAACgAAAAoAAAAZAAAAGQAAAAAAAAAzMzMAAAAAABQAAAAUAAAAGQAAABkAAAAAAAAABcAAAAUAAAAAAAAAAAAAAD/fwAA/38AAAAAAAAJAAAABAAAAGICAAAeAAAAaAAAAAAAAAAAAAAAAAAAAAAAAAAAAAAAECcAABAnAAAAAAAAAAAAAAAAAAAAAAAAAAAAAAAAAAAAAAAAAAAAABQAAAAAAAAAwMD/AAAAAABkAAAAMgAAAAAAAABkAAAAAAAAAH9/fwAKAAAAIgAAABgAAAAAAAAAAAAAAAAAAAAAAAAAAAAAAAAAAAAkAAAAJAAAAAAAAAAHAAAAAAAAAAAAAAAAAAAAAAAAAAAAAAAAAAAAf39/ACUAAABYAAAAAAAAAAAAAAAAAAAAAAAAAAAAAAAAAAAAAAAAAAAAAAAAAAAAAAAAAAAAAAA/AAAAAAAAAKCGAQAAAAAAAAAAAAAAAAAMAAAAAQAAAAAAAAAAAAAAAAAAAB8AAABUAAAAAAAABQAAAAEAAAAAAAAAAAAAAAAAAAAAAAAAAAAAAAAAAAAAAAAAAAAAAAJ/f38AAAAAA8zMzADAwP8Af39/AAAAAAAAAAAAAAAAAAAAAAAAAAAAIQAAABgAAAAUAAAAwAMAALABAABARwAAuAgAABAAAAAmAAAACAAAAAAAAAAAAAAAMAAAABQAAAAAAAAAAAD//wAAAQAAAP//AAABAA=="/>
+                <pr:smNativeData xmlns:pr="smNativeData" xmlns="smNativeData" val="SMDATA_16_yvWgZxMAAAAlAAAAZAAAAA8BAAAAkAAAAEgAAACQAAAASAAAAAAAAAABAAAAAAAAAAEAAABQAAAAAAAAAAAA4D8AAAAAAADgPwAAAAAAAOA/AAAAAAAA4D8AAAAAAADgPwAAAAAAAOA/AAAAAAAA4D8AAAAAAADgPwAAAAAAAOA/AAAAAAAA4D8CAAAAjAAAAAAAAAAAAAAAu+DjDP///wgAAAAAAAAAAAAAAAAAAAAAAAAAAAAAAAAAAAAAZAAAAAEAAABAAAAAAAAAAAAAAAAAAAAAAAAAAAAAAAAAAAAAAAAAAAAAAAAAAAAAAAAAAAAAAAAAAAAAAAAAAAAAAAAAAAAAAAAAAAAAAAAAAAAAAAAAAAAAAAAAAAAAFAAAADwAAAAAAAAAAAAAAAAAAAkUAAAAAQAAABQAAAAUAAAAFAAAAAEAAAAAAAAAZAAAAGQAAAAAAAAAZAAAAGQAAAAVAAAAYAAAAAAAAAAAAAAADwAAACADAAAAAAAAAAAAAAEAAACgMgAAVgcAAKr4//8BAAAAf39/AAEAAABkAAAAAAAAABQAAABAHwAAAAAAACYAAAAAAAAAwOD//wAAAAAmAAAAZAAAABYAAABMAAAAAAAAAAAAAAAEAAAAAAAAAAEAAACAgIAKAAAAACgAAAAoAAAAZAAAAGQAAAAAAAAAzMzMAAAAAABQAAAAUAAAAGQAAABkAAAAAAAAABcAAAAUAAAAAAAAAAAAAAD/fwAA/38AAAAAAAAJAAAABAAAAGICAAAeAAAAaAAAAAAAAAAAAAAAAAAAAAAAAAAAAAAAECcAABAnAAAAAAAAAAAAAAAAAAAAAAAAAAAAAAAAAAAAAAAAAAAAABQAAAAAAAAAwMD/AAAAAABkAAAAMgAAAAAAAABkAAAAAAAAAH9/fwAKAAAAIgAAABgAAAAAAAAAAAAAAAAAAAAAAAAAAAAAAAAAAAAkAAAAJAAAAAAAAAAHAAAAAAAAAAAAAAAAAAAAAAAAAAAAAAAAAAAAf39/ACUAAABYAAAAAAAAAAAAAAAAAAAAAAAAAAAAAAAAAAAAAAAAAAAAAAAAAAAAAAAAAAAAAAA/AAAAAAAAAKCGAQAAAAAAAAAAAAAAAAAMAAAAAQAAAAAAAAAAAAAAAAAAAB8AAABUAAAAAAAABQAAAAEAAAAAAAAAAAAAAAAAAAAAAAAAAAAAAAAAAAAAAAAAAAAAAAJ/f38AAAAAA8zMzADAwP8Af39/AAAAAAAAAAAAAAAAAAAAAAAAAAAAIQAAABgAAAAUAAAAwAMAALABAABARwAAuAgAABAAAAAmAAAACAAAAAAAAAAAAAAAMAAAABQAAAAAAAAAAAD//wAAAQAAAP//AAABAA=="/>
               </a:ext>
             </a:extLst>
           </p:cNvSpPr>
@@ -4231,7 +4231,7 @@
             <a:spLocks noGrp="1" noChangeArrowheads="1"/>
             <a:extLst>
               <a:ext uri="smNativeData">
-                <pr:smNativeData xmlns:pr="smNativeData" xmlns="smNativeData" val="SMDATA_16_zLafZxMAAAAlAAAAZAAAAA8BAAAAkAAAAEgAAACQAAAASAAAAAAAAAAAAAAAAAAAAAEAAABQAAAAAAAAAAAA4D8AAAAAAADgPwAAAAAAAOA/AAAAAAAA4D8AAAAAAADgPwAAAAAAAOA/AAAAAAAA4D8AAAAAAADgPwAAAAAAAOA/AAAAAAAA4D8CAAAAjAAAAAAAAAAAAAAAu+DjDP///wgAAAAAAAAAAAAAAAAAAAAAAAAAAAAAAAAAAAAAZAAAAAEAAABAAAAAAAAAAAAAAAAAAAAAAAAAAAAAAAAAAAAAAAAAAAAAAAAAAAAAAAAAAAAAAAAAAAAAAAAAAAAAAAAAAAAAAAAAAAAAAAAAAAAAAAAAAAAAAAAAAAAAFAAAADwAAAAAAAAAAAAAAAAAAAkUAAAAAQAAABQAAAAUAAAAFAAAAAEAAAAAAAAAZAAAAGQAAAAAAAAAZAAAAGQAAAAVAAAAYAAAAAAAAAAAAAAADwAAACADAAAAAAAAAAAAAAEAAACgMgAAVgcAAKr4//8BAAAAf39/AAEAAABkAAAAAAAAABQAAABAHwAAAAAAACYAAAAAAAAAwOD//wAAAAAmAAAAZAAAABYAAABMAAAAAAAAAAAAAAAEAAAAAAAAAAEAAACAgIAKAAAAACgAAAAoAAAAZAAAAGQAAAAAAAAAzMzMAAAAAABQAAAAUAAAAGQAAABkAAAAAAAAABcAAAAUAAAAAAAAAAAAAAD/fwAA/38AAAAAAAAJAAAABAAAAGICAAAeAAAAaAAAAAAAAAAAAAAAAAAAAAAAAAAAAAAAECcAABAnAAAAAAAAAAAAAAAAAAAAAAAAAAAAAAAAAAAAAAAAAAAAABQAAAAAAAAAwMD/AAAAAABkAAAAMgAAAAAAAABkAAAAAAAAAH9/fwAKAAAAIgAAABgAAAAAAAAAAAAAAAAAAAAAAAAAAAAAAAAAAAAkAAAAJAAAAAAAAAAHAAAAAAAAAAAAAAAAAAAAAAAAAAAAAAAAAAAAf39/ACUAAABYAAAAAAAAAAAAAAAAAAAAAAAAAAAAAAAAAAAAAAAAAAAAAAAAAAAAAAAAAAAAAAA/AAAAAAAAAKCGAQAAAAAAAAAAAAAAAAAMAAAAAQAAAAAAAAAAAAAAAAAAAB8AAABUAAAAAAAABQAAAAEAAAAAAAAAAAAAAAAAAAAAAAAAAAAAAAAAAAAAAAAAAAAAAAJ/f38AAAAAA8zMzADAwP8Af39/AAAAAAAAAAAAAAAAAAAAAAAAAAAAIQAAABgAAAAUAAAAwAMAANgJAABARwAAsCUAABAAAAAmAAAACAAAAAAAAAAAAAAAMAAAABQAAAAAAAAAAAD//wAAAQAAAP//AAABAA=="/>
+                <pr:smNativeData xmlns:pr="smNativeData" xmlns="smNativeData" val="SMDATA_16_yvWgZxMAAAAlAAAAZAAAAA8BAAAAkAAAAEgAAACQAAAASAAAAAAAAAAAAAAAAAAAAAEAAABQAAAAAAAAAAAA4D8AAAAAAADgPwAAAAAAAOA/AAAAAAAA4D8AAAAAAADgPwAAAAAAAOA/AAAAAAAA4D8AAAAAAADgPwAAAAAAAOA/AAAAAAAA4D8CAAAAjAAAAAAAAAAAAAAAu+DjDP///wgAAAAAAAAAAAAAAAAAAAAAAAAAAAAAAAAAAAAAZAAAAAEAAABAAAAAAAAAAAAAAAAAAAAAAAAAAAAAAAAAAAAAAAAAAAAAAAAAAAAAAAAAAAAAAAAAAAAAAAAAAAAAAAAAAAAAAAAAAAAAAAAAAAAAAAAAAAAAAAAAAAAAFAAAADwAAAAAAAAAAAAAAAAAAAkUAAAAAQAAABQAAAAUAAAAFAAAAAEAAAAAAAAAZAAAAGQAAAAAAAAAZAAAAGQAAAAVAAAAYAAAAAAAAAAAAAAADwAAACADAAAAAAAAAAAAAAEAAACgMgAAVgcAAKr4//8BAAAAf39/AAEAAABkAAAAAAAAABQAAABAHwAAAAAAACYAAAAAAAAAwOD//wAAAAAmAAAAZAAAABYAAABMAAAAAAAAAAAAAAAEAAAAAAAAAAEAAACAgIAKAAAAACgAAAAoAAAAZAAAAGQAAAAAAAAAzMzMAAAAAABQAAAAUAAAAGQAAABkAAAAAAAAABcAAAAUAAAAAAAAAAAAAAD/fwAA/38AAAAAAAAJAAAABAAAAGICAAAeAAAAaAAAAAAAAAAAAAAAAAAAAAAAAAAAAAAAECcAABAnAAAAAAAAAAAAAAAAAAAAAAAAAAAAAAAAAAAAAAAAAAAAABQAAAAAAAAAwMD/AAAAAABkAAAAMgAAAAAAAABkAAAAAAAAAH9/fwAKAAAAIgAAABgAAAAAAAAAAAAAAAAAAAAAAAAAAAAAAAAAAAAkAAAAJAAAAAAAAAAHAAAAAAAAAAAAAAAAAAAAAAAAAAAAAAAAAAAAf39/ACUAAABYAAAAAAAAAAAAAAAAAAAAAAAAAAAAAAAAAAAAAAAAAAAAAAAAAAAAAAAAAAAAAAA/AAAAAAAAAKCGAQAAAAAAAAAAAAAAAAAMAAAAAQAAAAAAAAAAAAAAAAAAAB8AAABUAAAAAAAABQAAAAEAAAAAAAAAAAAAAAAAAAAAAAAAAAAAAAAAAAAAAAAAAAAAAAJ/f38AAAAAA8zMzADAwP8Af39/AAAAAAAAAAAAAAAAAAAAAAAAAAAAIQAAABgAAAAUAAAAwAMAANgJAABARwAAsCUAAAAAAAAmAAAACAAAAAEAAAAAAAAAMAAAABQAAAAAAAAAAAD//wAAAQAAAP//AAABAA=="/>
               </a:ext>
             </a:extLst>
           </p:cNvSpPr>
@@ -4239,7 +4239,12 @@
             <p:ph type="body" idx="1"/>
           </p:nvPr>
         </p:nvSpPr>
-        <p:spPr/>
+        <p:spPr>
+          <a:xfrm>
+            <a:off x="609600" y="1600200"/>
+            <a:ext cx="10972800" cy="4526280"/>
+          </a:xfrm>
+        </p:spPr>
         <p:txBody>
           <a:bodyPr/>
           <a:lstStyle/>
@@ -4248,7 +4253,7 @@
               <a:buNone/>
             </a:pPr>
             <a:r>
-              <a:t>Приблизительно оценим вручную долю верных ответов в inference модели:</a:t>
+              <a:t>Приблизительно оценим вручную точность ответов в inference модели:</a:t>
             </a:r>
           </a:p>
           <a:p>
@@ -4276,7 +4281,7 @@
               <a:buNone/>
             </a:pPr>
             <a:r>
-              <a:t>Получается грубо accuracy ≈ в пределах [0,65; 0,83].</a:t>
+              <a:t>Получается грубо precision ≈ в пределах [0,65; 0,83].</a:t>
             </a:r>
           </a:p>
         </p:txBody>
@@ -4320,7 +4325,7 @@
             <a:spLocks noGrp="1" noChangeArrowheads="1"/>
             <a:extLst>
               <a:ext uri="smNativeData">
-                <pr:smNativeData xmlns:pr="smNativeData" xmlns="smNativeData" val="SMDATA_16_zLafZxMAAAAlAAAAZAAAAA8BAAAAkAAAAEgAAACQAAAASAAAAAAAAAABAAAAAAAAAAEAAABQAAAAAAAAAAAA4D8AAAAAAADgPwAAAAAAAOA/AAAAAAAA4D8AAAAAAADgPwAAAAAAAOA/AAAAAAAA4D8AAAAAAADgPwAAAAAAAOA/AAAAAAAA4D8CAAAAjAAAAAAAAAAAAAAAu+DjDP///wgAAAAAAAAAAAAAAAAAAAAAAAAAAAAAAAAAAAAAZAAAAAEAAABAAAAAAAAAAAAAAAAAAAAAAAAAAAAAAAAAAAAAAAAAAAAAAAAAAAAAAAAAAAAAAAAAAAAAAAAAAAAAAAAAAAAAAAAAAAAAAAAAAAAAAAAAAAAAAAAAAAAAFAAAADwAAAAAAAAAAAAAAAAAAAkUAAAAAQAAABQAAAAUAAAAFAAAAAEAAAAAAAAAZAAAAGQAAAAAAAAAZAAAAGQAAAAVAAAAYAAAAAAAAAAAAAAADwAAACADAAAAAAAAAAAAAAEAAACgMgAAVgcAAKr4//8BAAAAf39/AAEAAABkAAAAAAAAABQAAABAHwAAAAAAACYAAAAAAAAAwOD//wAAAAAmAAAAZAAAABYAAABMAAAAAAAAAAAAAAAEAAAAAAAAAAEAAACAgIAKAAAAACgAAAAoAAAAZAAAAGQAAAAAAAAAzMzMAAAAAABQAAAAUAAAAGQAAABkAAAAAAAAABcAAAAUAAAAAAAAAAAAAAD/fwAA/38AAAAAAAAJAAAABAAAANEAAAAeAAAAaAAAAAAAAAAAAAAAAAAAAAAAAAAAAAAAECcAABAnAAAAAAAAAAAAAAAAAAAAAAAAAAAAAAAAAAAAAAAAAAAAABQAAAAAAAAAwMD/AAAAAABkAAAAMgAAAAAAAABkAAAAAAAAAH9/fwAKAAAAIgAAABgAAAAAAAAAAAAAAAAAAAAAAAAAAAAAAAAAAAAkAAAAJAAAAAAAAAAHAAAAAAAAAAAAAAAAAAAAAAAAAAAAAAAAAAAAf39/ACUAAABYAAAAAAAAAAAAAAAAAAAAAAAAAAAAAAAAAAAAAAAAAAAAAAAAAAAAAAAAAAAAAAA/AAAAAAAAAKCGAQAAAAAAAAAAAAAAAAAMAAAAAQAAAAAAAAAAAAAAAAAAAB8AAABUAAAAAAAABQAAAAEAAAAAAAAAAAAAAAAAAAAAAAAAAAAAAAAAAAAAAAAAAAAAAAJ/f38AAAAAA8zMzADAwP8Af39/AAAAAAAAAAAAAAAAAAAAAAAAAAAAIQAAABgAAAAUAAAAwAMAALABAABARwAAuAgAABAAAAAmAAAACAAAAAAAAAAAAAAAMAAAABQAAAAAAAAAAAD//wAAAQAAAP//AAABAA=="/>
+                <pr:smNativeData xmlns:pr="smNativeData" xmlns="smNativeData" val="SMDATA_16_yvWgZxMAAAAlAAAAZAAAAA8BAAAAkAAAAEgAAACQAAAASAAAAAAAAAABAAAAAAAAAAEAAABQAAAAAAAAAAAA4D8AAAAAAADgPwAAAAAAAOA/AAAAAAAA4D8AAAAAAADgPwAAAAAAAOA/AAAAAAAA4D8AAAAAAADgPwAAAAAAAOA/AAAAAAAA4D8CAAAAjAAAAAAAAAAAAAAAu+DjDP///wgAAAAAAAAAAAAAAAAAAAAAAAAAAAAAAAAAAAAAZAAAAAEAAABAAAAAAAAAAAAAAAAAAAAAAAAAAAAAAAAAAAAAAAAAAAAAAAAAAAAAAAAAAAAAAAAAAAAAAAAAAAAAAAAAAAAAAAAAAAAAAAAAAAAAAAAAAAAAAAAAAAAAFAAAADwAAAAAAAAAAAAAAAAAAAkUAAAAAQAAABQAAAAUAAAAFAAAAAEAAAAAAAAAZAAAAGQAAAAAAAAAZAAAAGQAAAAVAAAAYAAAAAAAAAAAAAAADwAAACADAAAAAAAAAAAAAAEAAACgMgAAVgcAAKr4//8BAAAAf39/AAEAAABkAAAAAAAAABQAAABAHwAAAAAAACYAAAAAAAAAwOD//wAAAAAmAAAAZAAAABYAAABMAAAAAAAAAAAAAAAEAAAAAAAAAAEAAACAgIAKAAAAACgAAAAoAAAAZAAAAGQAAAAAAAAAzMzMAAAAAABQAAAAUAAAAGQAAABkAAAAAAAAABcAAAAUAAAAAAAAAAAAAAD/fwAA/38AAAAAAAAJAAAABAAAANEAAAAeAAAAaAAAAAAAAAAAAAAAAAAAAAAAAAAAAAAAECcAABAnAAAAAAAAAAAAAAAAAAAAAAAAAAAAAAAAAAAAAAAAAAAAABQAAAAAAAAAwMD/AAAAAABkAAAAMgAAAAAAAABkAAAAAAAAAH9/fwAKAAAAIgAAABgAAAAAAAAAAAAAAAAAAAAAAAAAAAAAAAAAAAAkAAAAJAAAAAAAAAAHAAAAAAAAAAAAAAAAAAAAAAAAAAAAAAAAAAAAf39/ACUAAABYAAAAAAAAAAAAAAAAAAAAAAAAAAAAAAAAAAAAAAAAAAAAAAAAAAAAAAAAAAAAAAA/AAAAAAAAAKCGAQAAAAAAAAAAAAAAAAAMAAAAAQAAAAAAAAAAAAAAAAAAAB8AAABUAAAAAAAABQAAAAEAAAAAAAAAAAAAAAAAAAAAAAAAAAAAAAAAAAAAAAAAAAAAAAJ/f38AAAAAA8zMzADAwP8Af39/AAAAAAAAAAAAAAAAAAAAAAAAAAAAIQAAABgAAAAUAAAAwAMAALABAABARwAAuAgAABAAAAAmAAAACAAAAAAAAAAAAAAAMAAAABQAAAAAAAAAAAD//wAAAQAAAP//AAABAA=="/>
               </a:ext>
             </a:extLst>
           </p:cNvSpPr>
@@ -4347,7 +4352,7 @@
             <a:spLocks noGrp="1" noChangeArrowheads="1"/>
             <a:extLst>
               <a:ext uri="smNativeData">
-                <pr:smNativeData xmlns:pr="smNativeData" xmlns="smNativeData" val="SMDATA_16_zLafZxMAAAAlAAAAZAAAAA8BAAAAkAAAAEgAAACQAAAASAAAAAAAAAAAAAAAAAAAAAEAAABQAAAAAAAAAAAA4D8AAAAAAADgPwAAAAAAAOA/AAAAAAAA4D8AAAAAAADgPwAAAAAAAOA/AAAAAAAA4D8AAAAAAADgPwAAAAAAAOA/AAAAAAAA4D8CAAAAjAAAAAAAAAAAAAAAu+DjDP///wgAAAAAAAAAAAAAAAAAAAAAAAAAAAAAAAAAAAAAZAAAAAEAAABAAAAAAAAAAAAAAAAAAAAAAAAAAAAAAAAAAAAAAAAAAAAAAAAAAAAAAAAAAAAAAAAAAAAAAAAAAAAAAAAAAAAAAAAAAAAAAAAAAAAAAAAAAAAAAAAAAAAAFAAAADwAAAAAAAAAAAAAAAAAAAkUAAAAAQAAABQAAAAUAAAAFAAAAAEAAAAAAAAAZAAAAGQAAAAAAAAAZAAAAGQAAAAVAAAAYAAAAAAAAAAAAAAADwAAACADAAAAAAAAAAAAAAEAAACgMgAAVgcAAKr4//8BAAAAf39/AAEAAABkAAAAAAAAABQAAABAHwAAAAAAACYAAAAAAAAAwOD//wAAAAAmAAAAZAAAABYAAABMAAAAAAAAAAAAAAAEAAAAAAAAAAEAAACAgIAKAAAAACgAAAAoAAAAZAAAAGQAAAAAAAAAzMzMAAAAAABQAAAAUAAAAGQAAABkAAAAAAAAABcAAAAUAAAAAAAAAAAAAAD/fwAA/38AAAAAAAAJAAAABAAAAO8CAAAeAAAAaAAAAAAAAAAAAAAAAAAAAAAAAAAAAAAAECcAABAnAAAAAAAAAAAAAAAAAAAAAAAAAAAAAAAAAAAAAAAAAAAAABQAAAAAAAAAwMD/AAAAAABkAAAAMgAAAAAAAABkAAAAAAAAAH9/fwAKAAAAIgAAABgAAAAAAAAAAAAAAAAAAAAAAAAAAAAAAAAAAAAkAAAAJAAAAAAAAAAHAAAAAAAAAAAAAAAAAAAAAAAAAAAAAAAAAAAAf39/ACUAAABYAAAAAAAAAAAAAAAAAAAAAAAAAAAAAAAAAAAAAAAAAAAAAAAAAAAAAAAAAAAAAAA/AAAAAAAAAKCGAQAAAAAAAAAAAAAAAAAMAAAAAQAAAAAAAAAAAAAAAAAAAB8AAABUAAAAAAAABQAAAAEAAAAAAAAAAAAAAAAAAAAAAAAAAAAAAAAAAAAAAAAAAAAAAAJ/f38AAAAAA8zMzADAwP8Af39/AAAAAAAAAAAAAAAAAAAAAAAAAAAAIQAAABgAAAAUAAAAwAMAANgJAABARwAAsCUAABAAAAAmAAAACAAAAAAAAAAAAAAAMAAAABQAAAAAAAAAAAD//wAAAQAAAP//AAABAA=="/>
+                <pr:smNativeData xmlns:pr="smNativeData" xmlns="smNativeData" val="SMDATA_16_yvWgZxMAAAAlAAAAZAAAAA8BAAAAkAAAAEgAAACQAAAASAAAAAAAAAAAAAAAAAAAAAEAAABQAAAAAAAAAAAA4D8AAAAAAADgPwAAAAAAAOA/AAAAAAAA4D8AAAAAAADgPwAAAAAAAOA/AAAAAAAA4D8AAAAAAADgPwAAAAAAAOA/AAAAAAAA4D8CAAAAjAAAAAAAAAAAAAAAu+DjDP///wgAAAAAAAAAAAAAAAAAAAAAAAAAAAAAAAAAAAAAZAAAAAEAAABAAAAAAAAAAAAAAAAAAAAAAAAAAAAAAAAAAAAAAAAAAAAAAAAAAAAAAAAAAAAAAAAAAAAAAAAAAAAAAAAAAAAAAAAAAAAAAAAAAAAAAAAAAAAAAAAAAAAAFAAAADwAAAAAAAAAAAAAAAAAAAkUAAAAAQAAABQAAAAUAAAAFAAAAAEAAAAAAAAAZAAAAGQAAAAAAAAAZAAAAGQAAAAVAAAAYAAAAAAAAAAAAAAADwAAACADAAAAAAAAAAAAAAEAAACgMgAAVgcAAKr4//8BAAAAf39/AAEAAABkAAAAAAAAABQAAABAHwAAAAAAACYAAAAAAAAAwOD//wAAAAAmAAAAZAAAABYAAABMAAAAAAAAAAAAAAAEAAAAAAAAAAEAAACAgIAKAAAAACgAAAAoAAAAZAAAAGQAAAAAAAAAzMzMAAAAAABQAAAAUAAAAGQAAABkAAAAAAAAABcAAAAUAAAAAAAAAAAAAAD/fwAA/38AAAAAAAAJAAAABAAAAO8CAAAeAAAAaAAAAAAAAAAAAAAAAAAAAAAAAAAAAAAAECcAABAnAAAAAAAAAAAAAAAAAAAAAAAAAAAAAAAAAAAAAAAAAAAAABQAAAAAAAAAwMD/AAAAAABkAAAAMgAAAAAAAABkAAAAAAAAAH9/fwAKAAAAIgAAABgAAAAAAAAAAAAAAAAAAAAAAAAAAAAAAAAAAAAkAAAAJAAAAAAAAAAHAAAAAAAAAAAAAAAAAAAAAAAAAAAAAAAAAAAAf39/ACUAAABYAAAAAAAAAAAAAAAAAAAAAAAAAAAAAAAAAAAAAAAAAAAAAAAAAAAAAAAAAAAAAAA/AAAAAAAAAKCGAQAAAAAAAAAAAAAAAAAMAAAAAQAAAAAAAAAAAAAAAAAAAB8AAABUAAAAAAAABQAAAAEAAAAAAAAAAAAAAAAAAAAAAAAAAAAAAAAAAAAAAAAAAAAAAAJ/f38AAAAAA8zMzADAwP8Af39/AAAAAAAAAAAAAAAAAAAAAAAAAAAAIQAAABgAAAAUAAAAwAMAANgJAABARwAAsCUAABAAAAAmAAAACAAAAAAAAAAAAAAAMAAAABQAAAAAAAAAAAD//wAAAQAAAP//AAABAA=="/>
               </a:ext>
             </a:extLst>
           </p:cNvSpPr>
@@ -4408,7 +4413,7 @@
             <a:spLocks noGrp="1" noChangeArrowheads="1"/>
             <a:extLst>
               <a:ext uri="smNativeData">
-                <pr:smNativeData xmlns:pr="smNativeData" xmlns="smNativeData" val="SMDATA_16_zLafZxMAAAAlAAAAZAAAAA8BAAAAkAAAAEgAAACQAAAASAAAAAAAAAABAAAAAAAAAAEAAABQAAAAAAAAAAAA4D8AAAAAAADgPwAAAAAAAOA/AAAAAAAA4D8AAAAAAADgPwAAAAAAAOA/AAAAAAAA4D8AAAAAAADgPwAAAAAAAOA/AAAAAAAA4D8CAAAAjAAAAAAAAAAAAAAAu+DjDP///wgAAAAAAAAAAAAAAAAAAAAAAAAAAAAAAAAAAAAAZAAAAAEAAABAAAAAAAAAAAAAAAAAAAAAAAAAAAAAAAAAAAAAAAAAAAAAAAAAAAAAAAAAAAAAAAAAAAAAAAAAAAAAAAAAAAAAAAAAAAAAAAAAAAAAAAAAAAAAAAAAAAAAFAAAADwAAAAAAAAAAAAAAAAAAAkUAAAAAQAAABQAAAAUAAAAFAAAAAEAAAAAAAAAZAAAAGQAAAAAAAAAZAAAAGQAAAAVAAAAYAAAAAAAAAAAAAAADwAAACADAAAAAAAAAAAAAAEAAACgMgAAVgcAAKr4//8BAAAAf39/AAEAAABkAAAAAAAAABQAAABAHwAAAAAAACYAAAAAAAAAwOD//wAAAAAmAAAAZAAAABYAAABMAAAAAAAAAAAAAAAEAAAAAAAAAAEAAACAgIAKAAAAACgAAAAoAAAAZAAAAGQAAAAAAAAAzMzMAAAAAABQAAAAUAAAAGQAAABkAAAAAAAAABcAAAAUAAAAAAAAAAAAAAD/fwAA/38AAAAAAAAJAAAABAAAANEAAAAeAAAAaAAAAAAAAAAAAAAAAAAAAAAAAAAAAAAAECcAABAnAAAAAAAAAAAAAAAAAAAAAAAAAAAAAAAAAAAAAAAAAAAAABQAAAAAAAAAwMD/AAAAAABkAAAAMgAAAAAAAABkAAAAAAAAAH9/fwAKAAAAIgAAABgAAAAAAAAAAAAAAAAAAAAAAAAAAAAAAAAAAAAkAAAAJAAAAAAAAAAHAAAAAAAAAAAAAAAAAAAAAAAAAAAAAAAAAAAAf39/ACUAAABYAAAAAAAAAAAAAAAAAAAAAAAAAAAAAAAAAAAAAAAAAAAAAAAAAAAAAAAAAAAAAAA/AAAAAAAAAKCGAQAAAAAAAAAAAAAAAAAMAAAAAQAAAAAAAAAAAAAAAAAAAB8AAABUAAAAAAAABQAAAAEAAAAAAAAAAAAAAAAAAAAAAAAAAAAAAAAAAAAAAAAAAAAAAAJ/f38AAAAAA8zMzADAwP8Af39/AAAAAAAAAAAAAAAAAAAAAAAAAAAAIQAAABgAAAAUAAAAwAMAALABAABARwAAuAgAABAAAAAmAAAACAAAAAAAAAAAAAAAMAAAABQAAAAAAAAAAAD//wAAAQAAAP//AAABAA=="/>
+                <pr:smNativeData xmlns:pr="smNativeData" xmlns="smNativeData" val="SMDATA_16_yvWgZxMAAAAlAAAAZAAAAA8BAAAAkAAAAEgAAACQAAAASAAAAAAAAAABAAAAAAAAAAEAAABQAAAAAAAAAAAA4D8AAAAAAADgPwAAAAAAAOA/AAAAAAAA4D8AAAAAAADgPwAAAAAAAOA/AAAAAAAA4D8AAAAAAADgPwAAAAAAAOA/AAAAAAAA4D8CAAAAjAAAAAAAAAAAAAAAu+DjDP///wgAAAAAAAAAAAAAAAAAAAAAAAAAAAAAAAAAAAAAZAAAAAEAAABAAAAAAAAAAAAAAAAAAAAAAAAAAAAAAAAAAAAAAAAAAAAAAAAAAAAAAAAAAAAAAAAAAAAAAAAAAAAAAAAAAAAAAAAAAAAAAAAAAAAAAAAAAAAAAAAAAAAAFAAAADwAAAAAAAAAAAAAAAAAAAkUAAAAAQAAABQAAAAUAAAAFAAAAAEAAAAAAAAAZAAAAGQAAAAAAAAAZAAAAGQAAAAVAAAAYAAAAAAAAAAAAAAADwAAACADAAAAAAAAAAAAAAEAAACgMgAAVgcAAKr4//8BAAAAf39/AAEAAABkAAAAAAAAABQAAABAHwAAAAAAACYAAAAAAAAAwOD//wAAAAAmAAAAZAAAABYAAABMAAAAAAAAAAAAAAAEAAAAAAAAAAEAAACAgIAKAAAAACgAAAAoAAAAZAAAAGQAAAAAAAAAzMzMAAAAAABQAAAAUAAAAGQAAABkAAAAAAAAABcAAAAUAAAAAAAAAAAAAAD/fwAA/38AAAAAAAAJAAAABAAAANEAAAAeAAAAaAAAAAAAAAAAAAAAAAAAAAAAAAAAAAAAECcAABAnAAAAAAAAAAAAAAAAAAAAAAAAAAAAAAAAAAAAAAAAAAAAABQAAAAAAAAAwMD/AAAAAABkAAAAMgAAAAAAAABkAAAAAAAAAH9/fwAKAAAAIgAAABgAAAAAAAAAAAAAAAAAAAAAAAAAAAAAAAAAAAAkAAAAJAAAAAAAAAAHAAAAAAAAAAAAAAAAAAAAAAAAAAAAAAAAAAAAf39/ACUAAABYAAAAAAAAAAAAAAAAAAAAAAAAAAAAAAAAAAAAAAAAAAAAAAAAAAAAAAAAAAAAAAA/AAAAAAAAAKCGAQAAAAAAAAAAAAAAAAAMAAAAAQAAAAAAAAAAAAAAAAAAAB8AAABUAAAAAAAABQAAAAEAAAAAAAAAAAAAAAAAAAAAAAAAAAAAAAAAAAAAAAAAAAAAAAJ/f38AAAAAA8zMzADAwP8Af39/AAAAAAAAAAAAAAAAAAAAAAAAAAAAIQAAABgAAAAUAAAAwAMAALABAABARwAAuAgAABAAAAAmAAAACAAAAAAAAAAAAAAAMAAAABQAAAAAAAAAAAD//wAAAQAAAP//AAABAA=="/>
               </a:ext>
             </a:extLst>
           </p:cNvSpPr>
@@ -4435,7 +4440,7 @@
             <a:spLocks noGrp="1" noChangeArrowheads="1"/>
             <a:extLst>
               <a:ext uri="smNativeData">
-                <pr:smNativeData xmlns:pr="smNativeData" xmlns="smNativeData" val="SMDATA_16_zLafZxMAAAAlAAAAZAAAAA8BAAAAkAAAAEgAAACQAAAASAAAAAAAAAAAAAAAAAAAAAEAAABQAAAAAAAAAAAA4D8AAAAAAADgPwAAAAAAAOA/AAAAAAAA4D8AAAAAAADgPwAAAAAAAOA/AAAAAAAA4D8AAAAAAADgPwAAAAAAAOA/AAAAAAAA4D8CAAAAjAAAAAAAAAAAAAAAu+DjDP///wgAAAAAAAAAAAAAAAAAAAAAAAAAAAAAAAAAAAAAZAAAAAEAAABAAAAAAAAAAAAAAAAAAAAAAAAAAAAAAAAAAAAAAAAAAAAAAAAAAAAAAAAAAAAAAAAAAAAAAAAAAAAAAAAAAAAAAAAAAAAAAAAAAAAAAAAAAAAAAAAAAAAAFAAAADwAAAAAAAAAAAAAAAAAAAkUAAAAAQAAABQAAAAUAAAAFAAAAAEAAAAAAAAAZAAAAGQAAAAAAAAAZAAAAGQAAAAVAAAAYAAAAAAAAAAAAAAADwAAACADAAAAAAAAAAAAAAEAAACgMgAAVgcAAKr4//8BAAAAf39/AAEAAABkAAAAAAAAABQAAABAHwAAAAAAACYAAAAAAAAAwOD//wAAAAAmAAAAZAAAABYAAABMAAAAAAAAAAAAAAAEAAAAAAAAAAEAAACAgIAKAAAAACgAAAAoAAAAZAAAAGQAAAAAAAAAzMzMAAAAAABQAAAAUAAAAGQAAABkAAAAAAAAABcAAAAUAAAAAAAAAAAAAAD/fwAA/38AAAAAAAAJAAAABAAAAD0iLTUeAAAAaAAAAAAAAAAAAAAAAAAAAAAAAAAAAAAAECcAABAnAAAAAAAAAAAAAAAAAAAAAAAAAAAAAAAAAAAAAAAAAAAAABQAAAAAAAAAwMD/AAAAAABkAAAAMgAAAAAAAABkAAAAAAAAAH9/fwAKAAAAIgAAABgAAAAAAAAAAAAAAAAAAAAAAAAAAAAAAAAAAAAkAAAAJAAAAAAAAAAHAAAAAAAAAAAAAAAAAAAAAAAAAAAAAAAAAAAAf39/ACUAAABYAAAAAAAAAAAAAAAAAAAAAAAAAAAAAAAAAAAAAAAAAAAAAAAAAAAAAAAAAAAAAAA/AAAAAAAAAKCGAQAAAAAAAAAAAAAAAAAMAAAAAQAAAAAAAAAAAAAAAAAAAB8AAABUAAAAAAAABQAAAAEAAAAAAAAAAAAAAAAAAAAAAAAAAAAAAAAAAAAAAAAAAAAAAAJ/f38AAAAAA8zMzADAwP8Af39/AAAAAAAAAAAAAAAAAAAAAAAAAAAAIQAAABgAAAAUAAAAwAMAANgJAABARwAAsCUAABAAAAAmAAAACAAAAAAAAAAAAAAAMAAAABQAAAAAAAAAAAD//wAAAQAAAP//AAABAA=="/>
+                <pr:smNativeData xmlns:pr="smNativeData" xmlns="smNativeData" val="SMDATA_16_yvWgZxMAAAAlAAAAZAAAAA8BAAAAkAAAAEgAAACQAAAASAAAAAAAAAAAAAAAAAAAAAEAAABQAAAAAAAAAAAA4D8AAAAAAADgPwAAAAAAAOA/AAAAAAAA4D8AAAAAAADgPwAAAAAAAOA/AAAAAAAA4D8AAAAAAADgPwAAAAAAAOA/AAAAAAAA4D8CAAAAjAAAAAAAAAAAAAAAu+DjDP///wgAAAAAAAAAAAAAAAAAAAAAAAAAAAAAAAAAAAAAZAAAAAEAAABAAAAAAAAAAAAAAAAAAAAAAAAAAAAAAAAAAAAAAAAAAAAAAAAAAAAAAAAAAAAAAAAAAAAAAAAAAAAAAAAAAAAAAAAAAAAAAAAAAAAAAAAAAAAAAAAAAAAAFAAAADwAAAAAAAAAAAAAAAAAAAkUAAAAAQAAABQAAAAUAAAAFAAAAAEAAAAAAAAAZAAAAGQAAAAAAAAAZAAAAGQAAAAVAAAAYAAAAAAAAAAAAAAADwAAACADAAAAAAAAAAAAAAEAAACgMgAAVgcAAKr4//8BAAAAf39/AAEAAABkAAAAAAAAABQAAABAHwAAAAAAACYAAAAAAAAAwOD//wAAAAAmAAAAZAAAABYAAABMAAAAAAAAAAAAAAAEAAAAAAAAAAEAAACAgIAKAAAAACgAAAAoAAAAZAAAAGQAAAAAAAAAzMzMAAAAAABQAAAAUAAAAGQAAABkAAAAAAAAABcAAAAUAAAAAAAAAAAAAAD/fwAA/38AAAAAAAAJAAAABAAAAD0iLTUeAAAAaAAAAAAAAAAAAAAAAAAAAAAAAAAAAAAAECcAABAnAAAAAAAAAAAAAAAAAAAAAAAAAAAAAAAAAAAAAAAAAAAAABQAAAAAAAAAwMD/AAAAAABkAAAAMgAAAAAAAABkAAAAAAAAAH9/fwAKAAAAIgAAABgAAAAAAAAAAAAAAAAAAAAAAAAAAAAAAAAAAAAkAAAAJAAAAAAAAAAHAAAAAAAAAAAAAAAAAAAAAAAAAAAAAAAAAAAAf39/ACUAAABYAAAAAAAAAAAAAAAAAAAAAAAAAAAAAAAAAAAAAAAAAAAAAAAAAAAAAAAAAAAAAAA/AAAAAAAAAKCGAQAAAAAAAAAAAAAAAAAMAAAAAQAAAAAAAAAAAAAAAAAAAB8AAABUAAAAAAAABQAAAAEAAAAAAAAAAAAAAAAAAAAAAAAAAAAAAAAAAAAAAAAAAAAAAAJ/f38AAAAAA8zMzADAwP8Af39/AAAAAAAAAAAAAAAAAAAAAAAAAAAAIQAAABgAAAAUAAAAwAMAANgJAABARwAAsCUAAAAAAAAmAAAACAAAAAEAAAAAAAAAMAAAABQAAAAAAAAAAAD//wAAAQAAAP//AAABAA=="/>
               </a:ext>
             </a:extLst>
           </p:cNvSpPr>
@@ -4443,7 +4448,12 @@
             <p:ph type="body" idx="1"/>
           </p:nvPr>
         </p:nvSpPr>
-        <p:spPr/>
+        <p:spPr>
+          <a:xfrm>
+            <a:off x="609600" y="1600200"/>
+            <a:ext cx="10972800" cy="4526280"/>
+          </a:xfrm>
+        </p:spPr>
         <p:txBody>
           <a:bodyPr/>
           <a:lstStyle/>
@@ -4452,7 +4462,7 @@
               <a:buNone/>
             </a:pPr>
             <a:r>
-              <a:t>Приблизительно оценим вручную долю верных ответов в inference модели Модель 1Б:</a:t>
+              <a:t>Приблизительно оценим вручную точность ответов в inference модели Модель 1Б:</a:t>
             </a:r>
           </a:p>
           <a:p>
@@ -4480,7 +4490,7 @@
               <a:buNone/>
             </a:pPr>
             <a:r>
-              <a:t>Получается грубо accuracy ≈ в пределах [0,89; 0,94].</a:t>
+              <a:t>Получается грубо precision ≈ в пределах [0,89; 0,94].</a:t>
             </a:r>
           </a:p>
           <a:p>
@@ -4533,7 +4543,7 @@
             <a:spLocks noGrp="1" noChangeArrowheads="1"/>
             <a:extLst>
               <a:ext uri="smNativeData">
-                <pr:smNativeData xmlns:pr="smNativeData" xmlns="smNativeData" val="SMDATA_16_zLafZxMAAAAlAAAAZAAAAA8BAAAAkAAAAEgAAACQAAAASAAAAAAAAAABAAAAAAAAAAEAAABQAAAAAAAAAAAA4D8AAAAAAADgPwAAAAAAAOA/AAAAAAAA4D8AAAAAAADgPwAAAAAAAOA/AAAAAAAA4D8AAAAAAADgPwAAAAAAAOA/AAAAAAAA4D8CAAAAjAAAAAAAAAAAAAAAu+DjDP///wgAAAAAAAAAAAAAAAAAAAAAAAAAAAAAAAAAAAAAZAAAAAEAAABAAAAAAAAAAAAAAAAAAAAAAAAAAAAAAAAAAAAAAAAAAAAAAAAAAAAAAAAAAAAAAAAAAAAAAAAAAAAAAAAAAAAAAAAAAAAAAAAAAAAAAAAAAAAAAAAAAAAAFAAAADwAAAAAAAAAAAAAAAAAAAkUAAAAAQAAABQAAAAUAAAAFAAAAAEAAAAAAAAAZAAAAGQAAAAAAAAAZAAAAGQAAAAVAAAAYAAAAAAAAAAAAAAADwAAACADAAAAAAAAAAAAAAEAAACgMgAAVgcAAKr4//8BAAAAf39/AAEAAABkAAAAAAAAABQAAABAHwAAAAAAACYAAAAAAAAAwOD//wAAAAAmAAAAZAAAABYAAABMAAAAAAAAAAAAAAAEAAAAAAAAAAEAAACAgIAKAAAAACgAAAAoAAAAZAAAAGQAAAAAAAAAzMzMAAAAAABQAAAAUAAAAGQAAABkAAAAAAAAABcAAAAUAAAAAAAAAAAAAAD/fwAA/38AAAAAAAAJAAAABAAAANEAAAAeAAAAaAAAAAAAAAAAAAAAAAAAAAAAAAAAAAAAECcAABAnAAAAAAAAAAAAAAAAAAAAAAAAAAAAAAAAAAAAAAAAAAAAABQAAAAAAAAAwMD/AAAAAABkAAAAMgAAAAAAAABkAAAAAAAAAH9/fwAKAAAAIgAAABgAAAAAAAAAAAAAAAAAAAAAAAAAAAAAAAAAAAAkAAAAJAAAAAAAAAAHAAAAAAAAAAAAAAAAAAAAAAAAAAAAAAAAAAAAf39/ACUAAABYAAAAAAAAAAAAAAAAAAAAAAAAAAAAAAAAAAAAAAAAAAAAAAAAAAAAAAAAAAAAAAA/AAAAAAAAAKCGAQAAAAAAAAAAAAAAAAAMAAAAAQAAAAAAAAAAAAAAAAAAAB8AAABUAAAAAAAABQAAAAEAAAAAAAAAAAAAAAAAAAAAAAAAAAAAAAAAAAAAAAAAAAAAAAJ/f38AAAAAA8zMzADAwP8Af39/AAAAAAAAAAAAAAAAAAAAAAAAAAAAIQAAABgAAAAUAAAAwAMAALABAABARwAAuAgAAAAAAAAmAAAACAAAAAEAAAAAAAAAMAAAABQAAAAAAAAAAAD//wAAAQAAAP//AAABAA=="/>
+                <pr:smNativeData xmlns:pr="smNativeData" xmlns="smNativeData" val="SMDATA_16_yvWgZxMAAAAlAAAAZAAAAA8BAAAAkAAAAEgAAACQAAAASAAAAAAAAAABAAAAAAAAAAEAAABQAAAAAAAAAAAA4D8AAAAAAADgPwAAAAAAAOA/AAAAAAAA4D8AAAAAAADgPwAAAAAAAOA/AAAAAAAA4D8AAAAAAADgPwAAAAAAAOA/AAAAAAAA4D8CAAAAjAAAAAAAAAAAAAAAu+DjDP///wgAAAAAAAAAAAAAAAAAAAAAAAAAAAAAAAAAAAAAZAAAAAEAAABAAAAAAAAAAAAAAAAAAAAAAAAAAAAAAAAAAAAAAAAAAAAAAAAAAAAAAAAAAAAAAAAAAAAAAAAAAAAAAAAAAAAAAAAAAAAAAAAAAAAAAAAAAAAAAAAAAAAAFAAAADwAAAAAAAAAAAAAAAAAAAkUAAAAAQAAABQAAAAUAAAAFAAAAAEAAAAAAAAAZAAAAGQAAAAAAAAAZAAAAGQAAAAVAAAAYAAAAAAAAAAAAAAADwAAACADAAAAAAAAAAAAAAEAAACgMgAAVgcAAKr4//8BAAAAf39/AAEAAABkAAAAAAAAABQAAABAHwAAAAAAACYAAAAAAAAAwOD//wAAAAAmAAAAZAAAABYAAABMAAAAAAAAAAAAAAAEAAAAAAAAAAEAAACAgIAKAAAAACgAAAAoAAAAZAAAAGQAAAAAAAAAzMzMAAAAAABQAAAAUAAAAGQAAABkAAAAAAAAABcAAAAUAAAAAAAAAAAAAAD/fwAA/38AAAAAAAAJAAAABAAAANEAAAAeAAAAaAAAAAAAAAAAAAAAAAAAAAAAAAAAAAAAECcAABAnAAAAAAAAAAAAAAAAAAAAAAAAAAAAAAAAAAAAAAAAAAAAABQAAAAAAAAAwMD/AAAAAABkAAAAMgAAAAAAAABkAAAAAAAAAH9/fwAKAAAAIgAAABgAAAAAAAAAAAAAAAAAAAAAAAAAAAAAAAAAAAAkAAAAJAAAAAAAAAAHAAAAAAAAAAAAAAAAAAAAAAAAAAAAAAAAAAAAf39/ACUAAABYAAAAAAAAAAAAAAAAAAAAAAAAAAAAAAAAAAAAAAAAAAAAAAAAAAAAAAAAAAAAAAA/AAAAAAAAAKCGAQAAAAAAAAAAAAAAAAAMAAAAAQAAAAAAAAAAAAAAAAAAAB8AAABUAAAAAAAABQAAAAEAAAAAAAAAAAAAAAAAAAAAAAAAAAAAAAAAAAAAAAAAAAAAAAJ/f38AAAAAA8zMzADAwP8Af39/AAAAAAAAAAAAAAAAAAAAAAAAAAAAIQAAABgAAAAUAAAAwAMAALABAABARwAAuAgAABAAAAAmAAAACAAAAAAAAAAAAAAAMAAAABQAAAAAAAAAAAD//wAAAQAAAP//AAABAA=="/>
               </a:ext>
             </a:extLst>
           </p:cNvSpPr>
@@ -4541,12 +4551,7 @@
             <p:ph type="title"/>
           </p:nvPr>
         </p:nvSpPr>
-        <p:spPr>
-          <a:xfrm>
-            <a:off x="609600" y="274320"/>
-            <a:ext cx="10972800" cy="1143000"/>
-          </a:xfrm>
-        </p:spPr>
+        <p:spPr/>
         <p:txBody>
           <a:bodyPr/>
           <a:lstStyle/>
@@ -4565,7 +4570,7 @@
             <a:spLocks noGrp="1" noChangeArrowheads="1"/>
             <a:extLst>
               <a:ext uri="smNativeData">
-                <pr:smNativeData xmlns:pr="smNativeData" xmlns="smNativeData" val="SMDATA_16_zLafZxMAAAAlAAAAZAAAAA8BAAAAkAAAAEgAAACQAAAASAAAAAAAAAAAAAAAAAAAAAEAAABQAAAAAAAAAAAA4D8AAAAAAADgPwAAAAAAAOA/AAAAAAAA4D8AAAAAAADgPwAAAAAAAOA/AAAAAAAA4D8AAAAAAADgPwAAAAAAAOA/AAAAAAAA4D8CAAAAjAAAAAAAAAAAAAAAu+DjDP///wgAAAAAAAAAAAAAAAAAAAAAAAAAAAAAAAAAAAAAZAAAAAEAAABAAAAAAAAAAAAAAAAAAAAAAAAAAAAAAAAAAAAAAAAAAAAAAAAAAAAAAAAAAAAAAAAAAAAAAAAAAAAAAAAAAAAAAAAAAAAAAAAAAAAAAAAAAAAAAAAAAAAAFAAAADwAAAAAAAAAAAAAAAAAAAkUAAAAAQAAABQAAAAUAAAAFAAAAAEAAAAAAAAAZAAAAGQAAAAAAAAAZAAAAGQAAAAVAAAAYAAAAAAAAAAAAAAADwAAACADAAAAAAAAAAAAAAEAAACgMgAAVgcAAKr4//8BAAAAf39/AAEAAABkAAAAAAAAABQAAABAHwAAAAAAACYAAAAAAAAAwOD//wAAAAAmAAAAZAAAABYAAABMAAAAAAAAAAAAAAAEAAAAAAAAAAEAAACAgIAKAAAAACgAAAAoAAAAZAAAAGQAAAAAAAAAzMzMAAAAAABQAAAAUAAAAGQAAABkAAAAAAAAABcAAAAUAAAAAAAAAAAAAAD/fwAA/38AAAAAAAAJAAAABAAAAAAAAAAeAAAAaAAAAAAAAAAAAAAAAAAAAAAAAAAAAAAAECcAABAnAAAAAAAAAAAAAAAAAAAAAAAAAAAAAAAAAAAAAAAAAAAAABQAAAAAAAAAwMD/AAAAAABkAAAAMgAAAAAAAABkAAAAAAAAAH9/fwAKAAAAIgAAABgAAAAAAAAAAAAAAAAAAAAAAAAAAAAAAAAAAAAkAAAAJAAAAAAAAAAHAAAAAAAAAAAAAAAAAAAAAAAAAAAAAAAAAAAAf39/ACUAAABYAAAAAAAAAAAAAAAAAAAAAAAAAAAAAAAAAAAAAAAAAAAAAAAAAAAAAAAAAAAAAAA/AAAAAAAAAKCGAQAAAAAAAAAAAAAAAAAMAAAAAQAAAAAAAAAAAAAAAAAAAB8AAABUAAAAAAAABQAAAAEAAAAAAAAAAAAAAAAAAAAAAAAAAAAAAAAAAAAAAAAAAAAAAAJ/f38AAAAAA8zMzADAwP8Af39/AAAAAAAAAAAAAAAAAAAAAAAAAAAAIQAAABgAAAAUAAAAwAMAANgJAABARwAAsCUAAAAAAAAmAAAACAAAAAEAAAAAAAAAMAAAABQAAAAAAAAAAAD//wAAAQAAAP//AAABAA=="/>
+                <pr:smNativeData xmlns:pr="smNativeData" xmlns="smNativeData" val="SMDATA_16_yvWgZxMAAAAlAAAAZAAAAA8BAAAAkAAAAEgAAACQAAAASAAAAAAAAAAAAAAAAAAAAAEAAABQAAAAAAAAAAAA4D8AAAAAAADgPwAAAAAAAOA/AAAAAAAA4D8AAAAAAADgPwAAAAAAAOA/AAAAAAAA4D8AAAAAAADgPwAAAAAAAOA/AAAAAAAA4D8CAAAAjAAAAAAAAAAAAAAAu+DjDP///wgAAAAAAAAAAAAAAAAAAAAAAAAAAAAAAAAAAAAAZAAAAAEAAABAAAAAAAAAAAAAAAAAAAAAAAAAAAAAAAAAAAAAAAAAAAAAAAAAAAAAAAAAAAAAAAAAAAAAAAAAAAAAAAAAAAAAAAAAAAAAAAAAAAAAAAAAAAAAAAAAAAAAFAAAADwAAAAAAAAAAAAAAAAAAAkUAAAAAQAAABQAAAAUAAAAFAAAAAEAAAAAAAAAZAAAAGQAAAAAAAAAZAAAAGQAAAAVAAAAYAAAAAAAAAAAAAAADwAAACADAAAAAAAAAAAAAAEAAACgMgAAVgcAAKr4//8BAAAAf39/AAEAAABkAAAAAAAAABQAAABAHwAAAAAAACYAAAAAAAAAwOD//wAAAAAmAAAAZAAAABYAAABMAAAAAAAAAAAAAAAEAAAAAAAAAAEAAACAgIAKAAAAACgAAAAoAAAAZAAAAGQAAAAAAAAAzMzMAAAAAABQAAAAUAAAAGQAAABkAAAAAAAAABcAAAAUAAAAAAAAAAAAAAD/fwAA/38AAAAAAAAJAAAABAAAAAAAAAAeAAAAaAAAAAAAAAAAAAAAAAAAAAAAAAAAAAAAECcAABAnAAAAAAAAAAAAAAAAAAAAAAAAAAAAAAAAAAAAAAAAAAAAABQAAAAAAAAAwMD/AAAAAABkAAAAMgAAAAAAAABkAAAAAAAAAH9/fwAKAAAAIgAAABgAAAAAAAAAAAAAAAAAAAAAAAAAAAAAAAAAAAAkAAAAJAAAAAAAAAAHAAAAAAAAAAAAAAAAAAAAAAAAAAAAAAAAAAAAf39/ACUAAABYAAAAAAAAAAAAAAAAAAAAAAAAAAAAAAAAAAAAAAAAAAAAAAAAAAAAAAAAAAAAAAA/AAAAAAAAAKCGAQAAAAAAAAAAAAAAAAAMAAAAAQAAAAAAAAAAAAAAAAAAAB8AAABUAAAAAAAABQAAAAEAAAAAAAAAAAAAAAAAAAAAAAAAAAAAAAAAAAAAAAAAAAAAAAJ/f38AAAAAA8zMzADAwP8Af39/AAAAAAAAAAAAAAAAAAAAAAAAAAAAIQAAABgAAAAUAAAAwAMAANgJAABARwAAsCUAABAAAAAmAAAACAAAAAAAAAAAAAAAMAAAABQAAAAAAAAAAAD//wAAAQAAAP//AAABAA=="/>
               </a:ext>
             </a:extLst>
           </p:cNvSpPr>
@@ -4573,12 +4578,7 @@
             <p:ph type="body" idx="1"/>
           </p:nvPr>
         </p:nvSpPr>
-        <p:spPr>
-          <a:xfrm>
-            <a:off x="609600" y="1600200"/>
-            <a:ext cx="10972800" cy="4526280"/>
-          </a:xfrm>
-        </p:spPr>
+        <p:spPr/>
         <p:txBody>
           <a:bodyPr/>
           <a:lstStyle/>
@@ -4631,7 +4631,7 @@
             <a:spLocks noGrp="1" noChangeArrowheads="1"/>
             <a:extLst>
               <a:ext uri="smNativeData">
-                <pr:smNativeData xmlns:pr="smNativeData" xmlns="smNativeData" val="SMDATA_16_zLafZxMAAAAlAAAAZAAAAA8BAAAAkAAAAEgAAACQAAAASAAAAAAAAAABAAAAAAAAAAEAAABQAAAAAAAAAAAA4D8AAAAAAADgPwAAAAAAAOA/AAAAAAAA4D8AAAAAAADgPwAAAAAAAOA/AAAAAAAA4D8AAAAAAADgPwAAAAAAAOA/AAAAAAAA4D8CAAAAjAAAAAAAAAAAAAAAu+DjDP///wgAAAAAAAAAAAAAAAAAAAAAAAAAAAAAAAAAAAAAZAAAAAEAAABAAAAAAAAAAAAAAAAAAAAAAAAAAAAAAAAAAAAAAAAAAAAAAAAAAAAAAAAAAAAAAAAAAAAAAAAAAAAAAAAAAAAAAAAAAAAAAAAAAAAAAAAAAAAAAAAAAAAAFAAAADwAAAAAAAAAAAAAAAAAAAkUAAAAAQAAABQAAAAUAAAAFAAAAAEAAAAAAAAAZAAAAGQAAAAAAAAAZAAAAGQAAAAVAAAAYAAAAAAAAAAAAAAADwAAACADAAAAAAAAAAAAAAEAAACgMgAAVgcAAKr4//8BAAAAf39/AAEAAABkAAAAAAAAABQAAABAHwAAAAAAACYAAAAAAAAAwOD//wAAAAAmAAAAZAAAABYAAABMAAAAAAAAAAAAAAAEAAAAAAAAAAEAAACAgIAKAAAAACgAAAAoAAAAZAAAAGQAAAAAAAAAzMzMAAAAAABQAAAAUAAAAGQAAABkAAAAAAAAABcAAAAUAAAAAAAAAAAAAAD/fwAA/38AAAAAAAAJAAAABAAAAO8CAAAeAAAAaAAAAAAAAAAAAAAAAAAAAAAAAAAAAAAAECcAABAnAAAAAAAAAAAAAAAAAAAAAAAAAAAAAAAAAAAAAAAAAAAAABQAAAAAAAAAwMD/AAAAAABkAAAAMgAAAAAAAABkAAAAAAAAAH9/fwAKAAAAIgAAABgAAAAAAAAAAAAAAAAAAAAAAAAAAAAAAAAAAAAkAAAAJAAAAAAAAAAHAAAAAAAAAAAAAAAAAAAAAAAAAAAAAAAAAAAAf39/ACUAAABYAAAAAAAAAAAAAAAAAAAAAAAAAAAAAAAAAAAAAAAAAAAAAAAAAAAAAAAAAAAAAAA/AAAAAAAAAKCGAQAAAAAAAAAAAAAAAAAMAAAAAQAAAAAAAAAAAAAAAAAAAB8AAABUAAAAAAAABQAAAAEAAAAAAAAAAAAAAAAAAAAAAAAAAAAAAAAAAAAAAAAAAAAAAAJ/f38AAAAAA8zMzADAwP8Af39/AAAAAAAAAAAAAAAAAAAAAAAAAAAAIQAAABgAAAAUAAAAwAMAALABAABARwAAuAgAAAAAAAAmAAAACAAAAAEAAAAAAAAAMAAAABQAAAAAAAAAAAD//wAAAQAAAP//AAABAA=="/>
+                <pr:smNativeData xmlns:pr="smNativeData" xmlns="smNativeData" val="SMDATA_16_yvWgZxMAAAAlAAAAZAAAAA8BAAAAkAAAAEgAAACQAAAASAAAAAAAAAABAAAAAAAAAAEAAABQAAAAAAAAAAAA4D8AAAAAAADgPwAAAAAAAOA/AAAAAAAA4D8AAAAAAADgPwAAAAAAAOA/AAAAAAAA4D8AAAAAAADgPwAAAAAAAOA/AAAAAAAA4D8CAAAAjAAAAAAAAAAAAAAAu+DjDP///wgAAAAAAAAAAAAAAAAAAAAAAAAAAAAAAAAAAAAAZAAAAAEAAABAAAAAAAAAAAAAAAAAAAAAAAAAAAAAAAAAAAAAAAAAAAAAAAAAAAAAAAAAAAAAAAAAAAAAAAAAAAAAAAAAAAAAAAAAAAAAAAAAAAAAAAAAAAAAAAAAAAAAFAAAADwAAAAAAAAAAAAAAAAAAAkUAAAAAQAAABQAAAAUAAAAFAAAAAEAAAAAAAAAZAAAAGQAAAAAAAAAZAAAAGQAAAAVAAAAYAAAAAAAAAAAAAAADwAAACADAAAAAAAAAAAAAAEAAACgMgAAVgcAAKr4//8BAAAAf39/AAEAAABkAAAAAAAAABQAAABAHwAAAAAAACYAAAAAAAAAwOD//wAAAAAmAAAAZAAAABYAAABMAAAAAAAAAAAAAAAEAAAAAAAAAAEAAACAgIAKAAAAACgAAAAoAAAAZAAAAGQAAAAAAAAAzMzMAAAAAABQAAAAUAAAAGQAAABkAAAAAAAAABcAAAAUAAAAAAAAAAAAAAD/fwAA/38AAAAAAAAJAAAABAAAAO8CAAAeAAAAaAAAAAAAAAAAAAAAAAAAAAAAAAAAAAAAECcAABAnAAAAAAAAAAAAAAAAAAAAAAAAAAAAAAAAAAAAAAAAAAAAABQAAAAAAAAAwMD/AAAAAABkAAAAMgAAAAAAAABkAAAAAAAAAH9/fwAKAAAAIgAAABgAAAAAAAAAAAAAAAAAAAAAAAAAAAAAAAAAAAAkAAAAJAAAAAAAAAAHAAAAAAAAAAAAAAAAAAAAAAAAAAAAAAAAAAAAf39/ACUAAABYAAAAAAAAAAAAAAAAAAAAAAAAAAAAAAAAAAAAAAAAAAAAAAAAAAAAAAAAAAAAAAA/AAAAAAAAAKCGAQAAAAAAAAAAAAAAAAAMAAAAAQAAAAAAAAAAAAAAAAAAAB8AAABUAAAAAAAABQAAAAEAAAAAAAAAAAAAAAAAAAAAAAAAAAAAAAAAAAAAAAAAAAAAAAJ/f38AAAAAA8zMzADAwP8Af39/AAAAAAAAAAAAAAAAAAAAAAAAAAAAIQAAABgAAAAUAAAAwAMAALABAABARwAAuAgAABAAAAAmAAAACAAAAAAAAAAAAAAAMAAAABQAAAAAAAAAAAD//wAAAQAAAP//AAABAA=="/>
               </a:ext>
             </a:extLst>
           </p:cNvSpPr>
@@ -4639,12 +4639,7 @@
             <p:ph type="title"/>
           </p:nvPr>
         </p:nvSpPr>
-        <p:spPr>
-          <a:xfrm>
-            <a:off x="609600" y="274320"/>
-            <a:ext cx="10972800" cy="1143000"/>
-          </a:xfrm>
-        </p:spPr>
+        <p:spPr/>
         <p:txBody>
           <a:bodyPr/>
           <a:lstStyle/>
@@ -4663,7 +4658,7 @@
             <a:spLocks noGrp="1" noChangeArrowheads="1"/>
             <a:extLst>
               <a:ext uri="smNativeData">
-                <pr:smNativeData xmlns:pr="smNativeData" xmlns="smNativeData" val="SMDATA_16_zLafZxMAAAAlAAAAZAAAAA8BAAAAkAAAAEgAAACQAAAASAAAAAAAAAAAAAAAAAAAAAEAAABQAAAAAAAAAAAA4D8AAAAAAADgPwAAAAAAAOA/AAAAAAAA4D8AAAAAAADgPwAAAAAAAOA/AAAAAAAA4D8AAAAAAADgPwAAAAAAAOA/AAAAAAAA4D8CAAAAjAAAAAAAAAAAAAAAu+DjDP///wgAAAAAAAAAAAAAAAAAAAAAAAAAAAAAAAAAAAAAZAAAAAEAAABAAAAAAAAAAAAAAAAAAAAAAAAAAAAAAAAAAAAAAAAAAAAAAAAAAAAAAAAAAAAAAAAAAAAAAAAAAAAAAAAAAAAAAAAAAAAAAAAAAAAAAAAAAAAAAAAAAAAAFAAAADwAAAAAAAAAAAAAAAAAAAkUAAAAAQAAABQAAAAUAAAAFAAAAAEAAAAAAAAAZAAAAGQAAAAAAAAAZAAAAGQAAAAVAAAAYAAAAAAAAAAAAAAADwAAACADAAAAAAAAAAAAAAEAAACgMgAAVgcAAKr4//8BAAAAf39/AAEAAABkAAAAAAAAABQAAABAHwAAAAAAACYAAAAAAAAAwOD//wAAAAAmAAAAZAAAABYAAABMAAAAAAAAAAAAAAAEAAAAAAAAAAEAAACAgIAKAAAAACgAAAAoAAAAZAAAAGQAAAAAAAAAzMzMAAAAAABQAAAAUAAAAGQAAABkAAAAAAAAABcAAAAUAAAAAAAAAAAAAAD/fwAA/38AAAAAAAAJAAAABAAAAAAAAAAeAAAAaAAAAAAAAAAAAAAAAAAAAAAAAAAAAAAAECcAABAnAAAAAAAAAAAAAAAAAAAAAAAAAAAAAAAAAAAAAAAAAAAAABQAAAAAAAAAwMD/AAAAAABkAAAAMgAAAAAAAABkAAAAAAAAAH9/fwAKAAAAIgAAABgAAAAAAAAAAAAAAAAAAAAAAAAAAAAAAAAAAAAkAAAAJAAAAAAAAAAHAAAAAAAAAAAAAAAAAAAAAAAAAAAAAAAAAAAAf39/ACUAAABYAAAAAAAAAAAAAAAAAAAAAAAAAAAAAAAAAAAAAAAAAAAAAAAAAAAAAAAAAAAAAAA/AAAAAAAAAKCGAQAAAAAAAAAAAAAAAAAMAAAAAQAAAAAAAAAAAAAAAAAAAB8AAABUAAAAAAAABQAAAAEAAAAAAAAAAAAAAAAAAAAAAAAAAAAAAAAAAAAAAAAAAAAAAAJ/f38AAAAAA8zMzADAwP8Af39/AAAAAAAAAAAAAAAAAAAAAAAAAAAAIQAAABgAAAAUAAAAwAMAANgJAABARwAAsCUAAAAAAAAmAAAACAAAAAEAAAAAAAAAMAAAABQAAAAAAAAAAAD//wAAAQAAAP//AAABAA=="/>
+                <pr:smNativeData xmlns:pr="smNativeData" xmlns="smNativeData" val="SMDATA_16_yvWgZxMAAAAlAAAAZAAAAA8BAAAAkAAAAEgAAACQAAAASAAAAAAAAAAAAAAAAAAAAAEAAABQAAAAAAAAAAAA4D8AAAAAAADgPwAAAAAAAOA/AAAAAAAA4D8AAAAAAADgPwAAAAAAAOA/AAAAAAAA4D8AAAAAAADgPwAAAAAAAOA/AAAAAAAA4D8CAAAAjAAAAAAAAAAAAAAAu+DjDP///wgAAAAAAAAAAAAAAAAAAAAAAAAAAAAAAAAAAAAAZAAAAAEAAABAAAAAAAAAAAAAAAAAAAAAAAAAAAAAAAAAAAAAAAAAAAAAAAAAAAAAAAAAAAAAAAAAAAAAAAAAAAAAAAAAAAAAAAAAAAAAAAAAAAAAAAAAAAAAAAAAAAAAFAAAADwAAAAAAAAAAAAAAAAAAAkUAAAAAQAAABQAAAAUAAAAFAAAAAEAAAAAAAAAZAAAAGQAAAAAAAAAZAAAAGQAAAAVAAAAYAAAAAAAAAAAAAAADwAAACADAAAAAAAAAAAAAAEAAACgMgAAVgcAAKr4//8BAAAAf39/AAEAAABkAAAAAAAAABQAAABAHwAAAAAAACYAAAAAAAAAwOD//wAAAAAmAAAAZAAAABYAAABMAAAAAAAAAAAAAAAEAAAAAAAAAAEAAACAgIAKAAAAACgAAAAoAAAAZAAAAGQAAAAAAAAAzMzMAAAAAABQAAAAUAAAAGQAAABkAAAAAAAAABcAAAAUAAAAAAAAAAAAAAD/fwAA/38AAAAAAAAJAAAABAAAAAAAAAAeAAAAaAAAAAAAAAAAAAAAAAAAAAAAAAAAAAAAECcAABAnAAAAAAAAAAAAAAAAAAAAAAAAAAAAAAAAAAAAAAAAAAAAABQAAAAAAAAAwMD/AAAAAABkAAAAMgAAAAAAAABkAAAAAAAAAH9/fwAKAAAAIgAAABgAAAAAAAAAAAAAAAAAAAAAAAAAAAAAAAAAAAAkAAAAJAAAAAAAAAAHAAAAAAAAAAAAAAAAAAAAAAAAAAAAAAAAAAAAf39/ACUAAABYAAAAAAAAAAAAAAAAAAAAAAAAAAAAAAAAAAAAAAAAAAAAAAAAAAAAAAAAAAAAAAA/AAAAAAAAAKCGAQAAAAAAAAAAAAAAAAAMAAAAAQAAAAAAAAAAAAAAAAAAAB8AAABUAAAAAAAABQAAAAEAAAAAAAAAAAAAAAAAAAAAAAAAAAAAAAAAAAAAAAAAAAAAAAJ/f38AAAAAA8zMzADAwP8Af39/AAAAAAAAAAAAAAAAAAAAAAAAAAAAIQAAABgAAAAUAAAAwAMAANgJAABARwAAsCUAAAAAAAAmAAAACAAAAAEAAAAAAAAAMAAAABQAAAAAAAAAAAD//wAAAQAAAP//AAABAA=="/>
               </a:ext>
             </a:extLst>
           </p:cNvSpPr>
@@ -4685,7 +4680,7 @@
               <a:buNone/>
             </a:pPr>
             <a:r>
-              <a:t>Приблизительно оценим вручную долю верных ответов в inference модели catboost:</a:t>
+              <a:t>Приблизительно оценим вручную точность ответов в inference модели catboost:</a:t>
             </a:r>
           </a:p>
           <a:p>
@@ -4709,7 +4704,7 @@
               <a:buNone/>
             </a:pPr>
             <a:r>
-              <a:t>Получается accuracy: 1.</a:t>
+              <a:t>Получается precision: 1.</a:t>
             </a:r>
           </a:p>
           <a:p>
@@ -4762,7 +4757,7 @@
             <a:spLocks noGrp="1" noChangeArrowheads="1"/>
             <a:extLst>
               <a:ext uri="smNativeData">
-                <pr:smNativeData xmlns:pr="smNativeData" xmlns="smNativeData" val="SMDATA_16_zLafZxMAAAAlAAAAZAAAAA8BAAAAkAAAAEgAAACQAAAASAAAAAAAAAABAAAAAAAAAAEAAABQAAAAAAAAAAAA4D8AAAAAAADgPwAAAAAAAOA/AAAAAAAA4D8AAAAAAADgPwAAAAAAAOA/AAAAAAAA4D8AAAAAAADgPwAAAAAAAOA/AAAAAAAA4D8CAAAAjAAAAAAAAAAAAAAAu+DjDP///wgAAAAAAAAAAAAAAAAAAAAAAAAAAAAAAAAAAAAAZAAAAAEAAABAAAAAAAAAAAAAAAAAAAAAAAAAAAAAAAAAAAAAAAAAAAAAAAAAAAAAAAAAAAAAAAAAAAAAAAAAAAAAAAAAAAAAAAAAAAAAAAAAAAAAAAAAAAAAAAAAAAAAFAAAADwAAAAAAAAAAAAAAAAAAAkUAAAAAQAAABQAAAAUAAAAFAAAAAEAAAAAAAAAZAAAAGQAAAAAAAAAZAAAAGQAAAAVAAAAYAAAAAAAAAAAAAAADwAAACADAAAAAAAAAAAAAAEAAACgMgAAVgcAAKr4//8BAAAAf39/AAEAAABkAAAAAAAAABQAAABAHwAAAAAAACYAAAAAAAAAwOD//wAAAAAmAAAAZAAAABYAAABMAAAAAAAAAAAAAAAEAAAAAAAAAAEAAACAgIAKAAAAACgAAAAoAAAAZAAAAGQAAAAAAAAAzMzMAAAAAABQAAAAUAAAAGQAAABkAAAAAAAAABcAAAAUAAAAAAAAAAAAAAD/fwAA/38AAAAAAAAJAAAABAAAAAIAAAAeAAAAaAAAAAAAAAAAAAAAAAAAAAAAAAAAAAAAECcAABAnAAAAAAAAAAAAAAAAAAAAAAAAAAAAAAAAAAAAAAAAAAAAABQAAAAAAAAAwMD/AAAAAABkAAAAMgAAAAAAAABkAAAAAAAAAH9/fwAKAAAAIgAAABgAAAAAAAAAAAAAAAAAAAAAAAAAAAAAAAAAAAAkAAAAJAAAAAAAAAAHAAAAAAAAAAAAAAAAAAAAAAAAAAAAAAAAAAAAf39/ACUAAABYAAAAAAAAAAAAAAAAAAAAAAAAAAAAAAAAAAAAAAAAAAAAAAAAAAAAAAAAAAAAAAA/AAAAAAAAAKCGAQAAAAAAAAAAAAAAAAAMAAAAAQAAAAAAAAAAAAAAAAAAAB8AAABUAAAAAAAABQAAAAEAAAAAAAAAAAAAAAAAAAAAAAAAAAAAAAAAAAAAAAAAAAAAAAJ/f38AAAAAA8zMzADAwP8Af39/AAAAAAAAAAAAAAAAAAAAAAAAAAAAIQAAABgAAAAUAAAAwAMAALABAABARwAAuAgAABAAAAAmAAAACAAAAAAAAAAAAAAAMAAAABQAAAAAAAAAAAD//wAAAQAAAP//AAABAA=="/>
+                <pr:smNativeData xmlns:pr="smNativeData" xmlns="smNativeData" val="SMDATA_16_yvWgZxMAAAAlAAAAZAAAAA8BAAAAkAAAAEgAAACQAAAASAAAAAAAAAABAAAAAAAAAAEAAABQAAAAAAAAAAAA4D8AAAAAAADgPwAAAAAAAOA/AAAAAAAA4D8AAAAAAADgPwAAAAAAAOA/AAAAAAAA4D8AAAAAAADgPwAAAAAAAOA/AAAAAAAA4D8CAAAAjAAAAAAAAAAAAAAAu+DjDP///wgAAAAAAAAAAAAAAAAAAAAAAAAAAAAAAAAAAAAAZAAAAAEAAABAAAAAAAAAAAAAAAAAAAAAAAAAAAAAAAAAAAAAAAAAAAAAAAAAAAAAAAAAAAAAAAAAAAAAAAAAAAAAAAAAAAAAAAAAAAAAAAAAAAAAAAAAAAAAAAAAAAAAFAAAADwAAAAAAAAAAAAAAAAAAAkUAAAAAQAAABQAAAAUAAAAFAAAAAEAAAAAAAAAZAAAAGQAAAAAAAAAZAAAAGQAAAAVAAAAYAAAAAAAAAAAAAAADwAAACADAAAAAAAAAAAAAAEAAACgMgAAVgcAAKr4//8BAAAAf39/AAEAAABkAAAAAAAAABQAAABAHwAAAAAAACYAAAAAAAAAwOD//wAAAAAmAAAAZAAAABYAAABMAAAAAAAAAAAAAAAEAAAAAAAAAAEAAACAgIAKAAAAACgAAAAoAAAAZAAAAGQAAAAAAAAAzMzMAAAAAABQAAAAUAAAAGQAAABkAAAAAAAAABcAAAAUAAAAAAAAAAAAAAD/fwAA/38AAAAAAAAJAAAABAAAAAIAAAAeAAAAaAAAAAAAAAAAAAAAAAAAAAAAAAAAAAAAECcAABAnAAAAAAAAAAAAAAAAAAAAAAAAAAAAAAAAAAAAAAAAAAAAABQAAAAAAAAAwMD/AAAAAABkAAAAMgAAAAAAAABkAAAAAAAAAH9/fwAKAAAAIgAAABgAAAAAAAAAAAAAAAAAAAAAAAAAAAAAAAAAAAAkAAAAJAAAAAAAAAAHAAAAAAAAAAAAAAAAAAAAAAAAAAAAAAAAAAAAf39/ACUAAABYAAAAAAAAAAAAAAAAAAAAAAAAAAAAAAAAAAAAAAAAAAAAAAAAAAAAAAAAAAAAAAA/AAAAAAAAAKCGAQAAAAAAAAAAAAAAAAAMAAAAAQAAAAAAAAAAAAAAAAAAAB8AAABUAAAAAAAABQAAAAEAAAAAAAAAAAAAAAAAAAAAAAAAAAAAAAAAAAAAAAAAAAAAAAJ/f38AAAAAA8zMzADAwP8Af39/AAAAAAAAAAAAAAAAAAAAAAAAAAAAIQAAABgAAAAUAAAAwAMAALABAABARwAAuAgAABAAAAAmAAAACAAAAAAAAAAAAAAAMAAAABQAAAAAAAAAAAD//wAAAQAAAP//AAABAA=="/>
               </a:ext>
             </a:extLst>
           </p:cNvSpPr>
@@ -4789,7 +4784,7 @@
             <a:spLocks noGrp="1" noChangeArrowheads="1"/>
             <a:extLst>
               <a:ext uri="smNativeData">
-                <pr:smNativeData xmlns:pr="smNativeData" xmlns="smNativeData" val="SMDATA_16_zLafZxMAAAAlAAAAZAAAAA8BAAAAkAAAAEgAAACQAAAASAAAAAAAAAAAAAAAAAAAAAEAAABQAAAAAAAAAAAA4D8AAAAAAADgPwAAAAAAAOA/AAAAAAAA4D8AAAAAAADgPwAAAAAAAOA/AAAAAAAA4D8AAAAAAADgPwAAAAAAAOA/AAAAAAAA4D8CAAAAjAAAAAAAAAAAAAAAu+DjDP///wgAAAAAAAAAAAAAAAAAAAAAAAAAAAAAAAAAAAAAZAAAAAEAAABAAAAAAAAAAAAAAAAAAAAAAAAAAAAAAAAAAAAAAAAAAAAAAAAAAAAAAAAAAAAAAAAAAAAAAAAAAAAAAAAAAAAAAAAAAAAAAAAAAAAAAAAAAAAAAAAAAAAAFAAAADwAAAAAAAAAAAAAAAAAAAkUAAAAAQAAABQAAAAUAAAAFAAAAAEAAAAAAAAAZAAAAGQAAAAAAAAAZAAAAGQAAAAVAAAAYAAAAAAAAAAAAAAADwAAACADAAAAAAAAAAAAAAEAAACgMgAAVgcAAKr4//8BAAAAf39/AAEAAABkAAAAAAAAABQAAABAHwAAAAAAACYAAAAAAAAAwOD//wAAAAAmAAAAZAAAABYAAABMAAAAAAAAAAAAAAAEAAAAAAAAAAEAAACAgIAKAAAAACgAAAAoAAAAZAAAAGQAAAAAAAAAzMzMAAAAAABQAAAAUAAAAGQAAABkAAAAAAAAABcAAAAUAAAAAAAAAAAAAAD/fwAA/38AAAAAAAAJAAAABAAAAGFzZWweAAAAaAAAAAAAAAAAAAAAAAAAAAAAAAAAAAAAECcAABAnAAAAAAAAAAAAAAAAAAAAAAAAAAAAAAAAAAAAAAAAAAAAABQAAAAAAAAAwMD/AAAAAABkAAAAMgAAAAAAAABkAAAAAAAAAH9/fwAKAAAAIgAAABgAAAAAAAAAAAAAAAAAAAAAAAAAAAAAAAAAAAAkAAAAJAAAAAAAAAAHAAAAAAAAAAAAAAAAAAAAAAAAAAAAAAAAAAAAf39/ACUAAABYAAAAAAAAAAAAAAAAAAAAAAAAAAAAAAAAAAAAAAAAAAAAAAAAAAAAAAAAAAAAAAA/AAAAAAAAAKCGAQAAAAAAAAAAAAAAAAAMAAAAAQAAAAAAAAAAAAAAAAAAAB8AAABUAAAAAAAABQAAAAEAAAAAAAAAAAAAAAAAAAAAAAAAAAAAAAAAAAAAAAAAAAAAAAJ/f38AAAAAA8zMzADAwP8Af39/AAAAAAAAAAAAAAAAAAAAAAAAAAAAIQAAABgAAAAUAAAAwAMAANgJAABARwAAsCUAAAAAAAAmAAAACAAAAAEAAAAAAAAAMAAAABQAAAAAAAAAAAD//wAAAQAAAP//AAABAA=="/>
+                <pr:smNativeData xmlns:pr="smNativeData" xmlns="smNativeData" val="SMDATA_16_yvWgZxMAAAAlAAAAZAAAAA8BAAAAkAAAAEgAAACQAAAASAAAAAAAAAAAAAAAAAAAAAEAAABQAAAAAAAAAAAA4D8AAAAAAADgPwAAAAAAAOA/AAAAAAAA4D8AAAAAAADgPwAAAAAAAOA/AAAAAAAA4D8AAAAAAADgPwAAAAAAAOA/AAAAAAAA4D8CAAAAjAAAAAAAAAAAAAAAu+DjDP///wgAAAAAAAAAAAAAAAAAAAAAAAAAAAAAAAAAAAAAZAAAAAEAAABAAAAAAAAAAAAAAAAAAAAAAAAAAAAAAAAAAAAAAAAAAAAAAAAAAAAAAAAAAAAAAAAAAAAAAAAAAAAAAAAAAAAAAAAAAAAAAAAAAAAAAAAAAAAAAAAAAAAAFAAAADwAAAAAAAAAAAAAAAAAAAkUAAAAAQAAABQAAAAUAAAAFAAAAAEAAAAAAAAAZAAAAGQAAAAAAAAAZAAAAGQAAAAVAAAAYAAAAAAAAAAAAAAADwAAACADAAAAAAAAAAAAAAEAAACgMgAAVgcAAKr4//8BAAAAf39/AAEAAABkAAAAAAAAABQAAABAHwAAAAAAACYAAAAAAAAAwOD//wAAAAAmAAAAZAAAABYAAABMAAAAAAAAAAAAAAAEAAAAAAAAAAEAAACAgIAKAAAAACgAAAAoAAAAZAAAAGQAAAAAAAAAzMzMAAAAAABQAAAAUAAAAGQAAABkAAAAAAAAABcAAAAUAAAAAAAAAAAAAAD/fwAA/38AAAAAAAAJAAAABAAAAGFzZWweAAAAaAAAAAAAAAAAAAAAAAAAAAAAAAAAAAAAECcAABAnAAAAAAAAAAAAAAAAAAAAAAAAAAAAAAAAAAAAAAAAAAAAABQAAAAAAAAAwMD/AAAAAABkAAAAMgAAAAAAAABkAAAAAAAAAH9/fwAKAAAAIgAAABgAAAAAAAAAAAAAAAAAAAAAAAAAAAAAAAAAAAAkAAAAJAAAAAAAAAAHAAAAAAAAAAAAAAAAAAAAAAAAAAAAAAAAAAAAf39/ACUAAABYAAAAAAAAAAAAAAAAAAAAAAAAAAAAAAAAAAAAAAAAAAAAAAAAAAAAAAAAAAAAAAA/AAAAAAAAAKCGAQAAAAAAAAAAAAAAAAAMAAAAAQAAAAAAAAAAAAAAAAAAAB8AAABUAAAAAAAABQAAAAEAAAAAAAAAAAAAAAAAAAAAAAAAAAAAAAAAAAAAAAAAAAAAAAJ/f38AAAAAA8zMzADAwP8Af39/AAAAAAAAAAAAAAAAAAAAAAAAAAAAIQAAABgAAAAUAAAAwAMAANgJAABARwAAsCUAAAAAAAAmAAAACAAAAAEAAAAAAAAAMAAAABQAAAAAAAAAAAD//wAAAQAAAP//AAABAA=="/>
               </a:ext>
             </a:extLst>
           </p:cNvSpPr>
@@ -4821,6 +4816,15 @@
             </a:pPr>
             <a:r>
               <a:t>Практическое использование моделей в течение нек. времени показало, что 100 % качество не достигается (и пользователь может отметить единицы объектов для тренировки модели), но модель ML полезна. Можно сравнить с моделями распознавания пальцев или лиц: работает далеко не 100 %, но в работе помогает.</a:t>
+            </a:r>
+          </a:p>
+          <a:p>
+            <a:pPr marL="0" indent="0">
+              <a:buNone/>
+              <a:defRPr sz="2400" cap="none"/>
+            </a:pPr>
+            <a:r>
+              <a:t>Если пользователю нужно, чтобы результаты были без шума, то лучше catboost. Если же нужно больше информации “на подумать”, то лучше random forest.</a:t>
             </a:r>
           </a:p>
         </p:txBody>
@@ -5829,6 +5833,47 @@
       </a:clrScheme>
       <a:clrMap bg1="lt1" tx1="dk1" bg2="lt2" tx2="dk2" accent1="accent1" accent2="accent2" accent3="accent3" accent4="accent4" accent5="accent5" accent6="accent6" hlink="hlink" folHlink="folHlink"/>
     </a:extraClrScheme>
+    <a:extraClrScheme>
+      <a:clrScheme name="Presentation 19">
+        <a:dk1>
+          <a:srgbClr val="000000"/>
+        </a:dk1>
+        <a:lt1>
+          <a:srgbClr val="FFFFFF"/>
+        </a:lt1>
+        <a:dk2>
+          <a:srgbClr val="000000"/>
+        </a:dk2>
+        <a:lt2>
+          <a:srgbClr val="808080"/>
+        </a:lt2>
+        <a:accent1>
+          <a:srgbClr val="BBE0E3"/>
+        </a:accent1>
+        <a:accent2>
+          <a:srgbClr val="333399"/>
+        </a:accent2>
+        <a:accent3>
+          <a:srgbClr val="535379"/>
+        </a:accent3>
+        <a:accent4>
+          <a:srgbClr val="737359"/>
+        </a:accent4>
+        <a:accent5>
+          <a:srgbClr val="939339"/>
+        </a:accent5>
+        <a:accent6>
+          <a:srgbClr val="B3B319"/>
+        </a:accent6>
+        <a:hlink>
+          <a:srgbClr val="009999"/>
+        </a:hlink>
+        <a:folHlink>
+          <a:srgbClr val="99CC00"/>
+        </a:folHlink>
+      </a:clrScheme>
+      <a:clrMap bg1="lt1" tx1="dk1" bg2="lt2" tx2="dk2" accent1="accent1" accent2="accent2" accent3="accent3" accent4="accent4" accent5="accent5" accent6="accent6" hlink="hlink" folHlink="folHlink"/>
+    </a:extraClrScheme>
   </a:extraClrSchemeLst>
 </a:theme>
 </file>
--- a/Diploma/User cases при использовании моделей.pptx
+++ b/Diploma/User cases при использовании моделей.pptx
@@ -245,7 +245,7 @@
             <a:spLocks noGrp="1" noChangeArrowheads="1"/>
             <a:extLst>
               <a:ext uri="smNativeData">
-                <pr:smNativeData xmlns:pr="smNativeData" xmlns="smNativeData" val="SMDATA_16_yvWgZxMAAAAlAAAAZAAAAA8BAAAAkAAAAEgAAACQAAAASAAAAAAAAAABAAAAAAAAAAEAAABQAAAAAAAAAAAA4D8AAAAAAADgPwAAAAAAAOA/AAAAAAAA4D8AAAAAAADgPwAAAAAAAOA/AAAAAAAA4D8AAAAAAADgPwAAAAAAAOA/AAAAAAAA4D8CAAAAjAAAAAAAAAAAAAAAu+DjDP///wgAAAAAAAAAAAAAAAAAAAAAAAAAAAAAAAAAAAAAZAAAAAEAAABAAAAAAAAAAAAAAAAAAAAAAAAAAAAAAAAAAAAAAAAAAAAAAAAAAAAAAAAAAAAAAAAAAAAAAAAAAAAAAAAAAAAAAAAAAAAAAAAAAAAAAAAAAAAAAAAAAAAAFAAAADwAAAAAAAAAAAAAAAAAAAkUAAAAAQAAABQAAAAUAAAAFAAAAAEAAAAAAAAAZAAAAGQAAAAAAAAAZAAAAGQAAAAVAAAAYAAAAAAAAAAAAAAADwAAACADAAAAAAAAAAAAAAEAAACgMgAAVgcAAKr4//8BAAAAf39/AAEAAABkAAAAAAAAABQAAABAHwAAAAAAACYAAAAAAAAAwOD//wAAAAAmAAAAZAAAABYAAABMAAAAAAAAAAAAAAAEAAAAAAAAAAEAAACAgIAKAAAAACgAAAAoAAAAZAAAAGQAAAAAAAAAzMzMAAAAAABQAAAAUAAAAGQAAABkAAAAAAAAABcAAAAUAAAAAAAAAAAAAAD/fwAA/38AAAAAAAAJAAAABAAAAAAAAAAeAAAAaAAAAAAAAAAAAAAAAAAAAAAAAAAAAAAAECcAABAnAAAAAAAAAAAAAAAAAAAAAAAAAAAAAAAAAAAAAAAAAAAAABQAAAAAAAAAwMD/AAAAAABkAAAAMgAAAAAAAABkAAAAAAAAAH9/fwAKAAAAIgAAABgAAAAAAAAAAAAAAAAAAAAAAAAAAAAAAAAAAAAkAAAAJAAAAAAAAAAHAAAAAAAAAAAAAAAAAAAAAAAAAAAAAAAAAAAAf39/ACUAAABYAAAAAAAAAAAAAAAAAAAAAAAAAAAAAAAAAAAAAAAAAAAAAAAAAAAAAAAAAAAAAAA/AAAAAAAAAKCGAQAAAAAAAAAAAAAAAAAMAAAAAQAAAAAAAAAAAAAAAAAAAB8AAABUAAAAAAAABQAAAAEAAAAAAAAAAAAAAAAAAAAAAAAAAAAAAAAAAAAAAAAAAAAAAAJ/f38AAAAAA8zMzADAwP8Af39/AAAAAAAAAAAAAAAAAAAAAAAAAAAAIQAAABgAAAAUAAAAoAUAABoNAABgRQAAJhYAABAAAAAmAAAACAAAAAEAAAAAAAAAMAAAABQAAAAAAAAAAAD//wAAAQAAAP//AAABAA=="/>
+                <pr:smNativeData xmlns:pr="smNativeData" xmlns="smNativeData" val="SMDATA_16_D/2gZxMAAAAlAAAAZAAAAA8BAAAAkAAAAEgAAACQAAAASAAAAAAAAAABAAAAAAAAAAEAAABQAAAAAAAAAAAA4D8AAAAAAADgPwAAAAAAAOA/AAAAAAAA4D8AAAAAAADgPwAAAAAAAOA/AAAAAAAA4D8AAAAAAADgPwAAAAAAAOA/AAAAAAAA4D8CAAAAjAAAAAAAAAAAAAAAu+DjDP///wgAAAAAAAAAAAAAAAAAAAAAAAAAAAAAAAAAAAAAZAAAAAEAAABAAAAAAAAAAAAAAAAAAAAAAAAAAAAAAAAAAAAAAAAAAAAAAAAAAAAAAAAAAAAAAAAAAAAAAAAAAAAAAAAAAAAAAAAAAAAAAAAAAAAAAAAAAAAAAAAAAAAAFAAAADwAAAAAAAAAAAAAAAAAAAkUAAAAAQAAABQAAAAUAAAAFAAAAAEAAAAAAAAAZAAAAGQAAAAAAAAAZAAAAGQAAAAVAAAAYAAAAAAAAAAAAAAADwAAACADAAAAAAAAAAAAAAEAAACgMgAAVgcAAKr4//8BAAAAf39/AAEAAABkAAAAAAAAABQAAABAHwAAAAAAACYAAAAAAAAAwOD//wAAAAAmAAAAZAAAABYAAABMAAAAAAAAAAAAAAAEAAAAAAAAAAEAAACAgIAKAAAAACgAAAAoAAAAZAAAAGQAAAAAAAAAzMzMAAAAAABQAAAAUAAAAGQAAABkAAAAAAAAABcAAAAUAAAAAAAAAAAAAAD/fwAA/38AAAAAAAAJAAAABAAAAAAAAAAeAAAAaAAAAAAAAAAAAAAAAAAAAAAAAAAAAAAAECcAABAnAAAAAAAAAAAAAAAAAAAAAAAAAAAAAAAAAAAAAAAAAAAAABQAAAAAAAAAwMD/AAAAAABkAAAAMgAAAAAAAABkAAAAAAAAAH9/fwAKAAAAIgAAABgAAAAAAAAAAAAAAAAAAAAAAAAAAAAAAAAAAAAkAAAAJAAAAAAAAAAHAAAAAAAAAAAAAAAAAAAAAAAAAAAAAAAAAAAAf39/ACUAAABYAAAAAAAAAAAAAAAAAAAAAAAAAAAAAAAAAAAAAAAAAAAAAAAAAAAAAAAAAAAAAAA/AAAAAAAAAKCGAQAAAAAAAAAAAAAAAAAMAAAAAQAAAAAAAAAAAAAAAAAAAB8AAABUAAAAAAAABQAAAAEAAAAAAAAAAAAAAAAAAAAAAAAAAAAAAAAAAAAAAAAAAAAAAAJ/f38AAAAAA8zMzADAwP8Af39/AAAAAAAAAAAAAAAAAAAAAAAAAAAAIQAAABgAAAAUAAAAoAUAABoNAABgRQAAJhYAABAAAAAmAAAACAAAAAEAAAAAAAAAMAAAABQAAAAAAAAAAAD//wAAAQAAAP//AAABAA=="/>
               </a:ext>
             </a:extLst>
           </p:cNvSpPr>
@@ -277,7 +277,7 @@
             <a:spLocks noGrp="1" noChangeArrowheads="1"/>
             <a:extLst>
               <a:ext uri="smNativeData">
-                <pr:smNativeData xmlns:pr="smNativeData" xmlns="smNativeData" val="SMDATA_16_yvWgZxMAAAAlAAAAZAAAAA8BAAAAkAAAAEgAAACQAAAASAAAAAAAAAAAAAAAAAAAAAEAAABQAAAAAAAAAAAA4D8AAAAAAADgPwAAAAAAAOA/AAAAAAAA4D8AAAAAAADgPwAAAAAAAOA/AAAAAAAA4D8AAAAAAADgPwAAAAAAAOA/AAAAAAAA4D8CAAAAjAAAAAAAAAAAAAAAu+DjDP///wgAAAAAAAAAAAAAAAAAAAAAAAAAAAAAAAAAAAAAZAAAAAEAAABAAAAAAAAAAAAAAAAAAAAAAAAAAAAAAAAAAAAAAAAAAAAAAAAAAAAAAAAAAAAAAAAAAAAAAAAAAAAAAAAAAAAAAAAAAAAAAAAAAAAAAAAAAAAAAAAAAAAAFAAAADwAAAAAAAAAAAAAAAAAAAkUAAAAAQAAABQAAAAUAAAAFAAAAAEAAAAAAAAAZAAAAGQAAAAAAAAAZAAAAGQAAAAVAAAAYAAAAAAAAAAAAAAADwAAACADAAAAAAAAAAAAAAEAAACgMgAAVgcAAKr4//8BAAAAf39/AAEAAABkAAAAAAAAABQAAABAHwAAAAAAACYAAAAAAAAAwOD//wAAAAAmAAAAZAAAABYAAABMAAAAAAAAAAAAAAAEAAAAAAAAAAEAAACAgIAKAAAAACgAAAAoAAAAZAAAAGQAAAAAAAAAzMzMAAAAAABQAAAAUAAAAGQAAABkAAAAAAAAABcAAAAUAAAAAAAAAAAAAAD/fwAA/38AAAAAAAAJAAAABAAAAAAAAAAeAAAAaAAAAAAAAAAAAAAAAAAAAAAAAAAAAAAAECcAABAnAAAAAAAAAAAAAAAAAAAAAAAAAAAAAAAAAAAAAAAAAAAAABQAAAAAAAAAwMD/AAAAAABkAAAAMgAAAAAAAABkAAAAAAAAAH9/fwAKAAAAIgAAABgAAAAAAAAAAAAAAAAAAAAAAAAAAAAAAAAAAAAkAAAAJAAAAAAAAAAHAAAAAAAAAAAAAAAAAAAAAAAAAAAAAAAAAAAAf39/ACUAAABYAAAAAAAAAAAAAAAAAAAAAAAAAAAAAAAAAAAAAAAAAAAAAAAAAAAAAAAAAAAAAAA/AAAAAAAAAKCGAQAAAAAAAAAAAAAAAAAMAAAAAQAAAAAAAAAAAAAAAAAAAB8AAABUAAAAAAAABQAAAAEAAAAAAAAAAAAAAAAAAAAAAAAAAAAAAAAAAAAAAAAAAAAAAAJ/f38AAAAAA8zMzADAwP8Af39/AAAAAAAAAAAAAAAAAAAAAAAAAAAAIQAAABgAAAAUAAAAQAsAAOgXAADAPwAAsCIAABAAAAAmAAAACAAAAAGAAAAAAAAAMAAAABQAAAAAAAAAAAD//wAAAQAAAP//AAABAA=="/>
+                <pr:smNativeData xmlns:pr="smNativeData" xmlns="smNativeData" val="SMDATA_16_D/2gZxMAAAAlAAAAZAAAAA8BAAAAkAAAAEgAAACQAAAASAAAAAAAAAAAAAAAAAAAAAEAAABQAAAAAAAAAAAA4D8AAAAAAADgPwAAAAAAAOA/AAAAAAAA4D8AAAAAAADgPwAAAAAAAOA/AAAAAAAA4D8AAAAAAADgPwAAAAAAAOA/AAAAAAAA4D8CAAAAjAAAAAAAAAAAAAAAu+DjDP///wgAAAAAAAAAAAAAAAAAAAAAAAAAAAAAAAAAAAAAZAAAAAEAAABAAAAAAAAAAAAAAAAAAAAAAAAAAAAAAAAAAAAAAAAAAAAAAAAAAAAAAAAAAAAAAAAAAAAAAAAAAAAAAAAAAAAAAAAAAAAAAAAAAAAAAAAAAAAAAAAAAAAAFAAAADwAAAAAAAAAAAAAAAAAAAkUAAAAAQAAABQAAAAUAAAAFAAAAAEAAAAAAAAAZAAAAGQAAAAAAAAAZAAAAGQAAAAVAAAAYAAAAAAAAAAAAAAADwAAACADAAAAAAAAAAAAAAEAAACgMgAAVgcAAKr4//8BAAAAf39/AAEAAABkAAAAAAAAABQAAABAHwAAAAAAACYAAAAAAAAAwOD//wAAAAAmAAAAZAAAABYAAABMAAAAAAAAAAAAAAAEAAAAAAAAAAEAAACAgIAKAAAAACgAAAAoAAAAZAAAAGQAAAAAAAAAzMzMAAAAAABQAAAAUAAAAGQAAABkAAAAAAAAABcAAAAUAAAAAAAAAAAAAAD/fwAA/38AAAAAAAAJAAAABAAAAAAAAAAeAAAAaAAAAAAAAAAAAAAAAAAAAAAAAAAAAAAAECcAABAnAAAAAAAAAAAAAAAAAAAAAAAAAAAAAAAAAAAAAAAAAAAAABQAAAAAAAAAwMD/AAAAAABkAAAAMgAAAAAAAABkAAAAAAAAAH9/fwAKAAAAIgAAABgAAAAAAAAAAAAAAAAAAAAAAAAAAAAAAAAAAAAkAAAAJAAAAAAAAAAHAAAAAAAAAAAAAAAAAAAAAAAAAAAAAAAAAAAAf39/ACUAAABYAAAAAAAAAAAAAAAAAAAAAAAAAAAAAAAAAAAAAAAAAAAAAAAAAAAAAAAAAAAAAAA/AAAAAAAAAKCGAQAAAAAAAAAAAAAAAAAMAAAAAQAAAAAAAAAAAAAAAAAAAB8AAABUAAAAAAAABQAAAAEAAAAAAAAAAAAAAAAAAAAAAAAAAAAAAAAAAAAAAAAAAAAAAAJ/f38AAAAAA8zMzADAwP8Af39/AAAAAAAAAAAAAAAAAAAAAAAAAAAAIQAAABgAAAAUAAAAQAsAAOgXAADAPwAAsCIAABAAAAAmAAAACAAAAAGAAAAAAAAAMAAAABQAAAAAAAAAAAD//wAAAQAAAP//AAABAA=="/>
               </a:ext>
             </a:extLst>
           </p:cNvSpPr>
@@ -337,7 +337,7 @@
             <a:spLocks noGrp="1" noChangeArrowheads="1"/>
             <a:extLst>
               <a:ext uri="smNativeData">
-                <pr:smNativeData xmlns:pr="smNativeData" xmlns="smNativeData" val="SMDATA_16_yvWgZxMAAAAlAAAAZAAAAA8BAAAAkAAAAEgAAACQAAAASAAAAAAAAAABAAAAAAAAAAEAAABQAAAAAAAAAAAA4D8AAAAAAADgPwAAAAAAAOA/AAAAAAAA4D8AAAAAAADgPwAAAAAAAOA/AAAAAAAA4D8AAAAAAADgPwAAAAAAAOA/AAAAAAAA4D8CAAAAjAAAAAAAAAAAAAAAu+DjDP///wgAAAAAAAAAAAAAAAAAAAAAAAAAAAAAAAAAAAAAZAAAAAEAAABAAAAAAAAAAAAAAAAAAAAAAAAAAAAAAAAAAAAAAAAAAAAAAAAAAAAAAAAAAAAAAAAAAAAAAAAAAAAAAAAAAAAAAAAAAAAAAAAAAAAAAAAAAAAAAAAAAAAAFAAAADwAAAAAAAAAAAAAAAAAAAkUAAAAAQAAABQAAAAUAAAAFAAAAAEAAAAAAAAAZAAAAGQAAAAAAAAAZAAAAGQAAAAVAAAAYAAAAAAAAAAAAAAADwAAACADAAAAAAAAAAAAAAEAAACgMgAAVgcAAKr4//8BAAAAf39/AAEAAABkAAAAAAAAABQAAABAHwAAAAAAACYAAAAAAAAAwOD//wAAAAAmAAAAZAAAABYAAABMAAAAAAAAAAAAAAAEAAAAAAAAAAEAAACAgIAKAAAAACgAAAAoAAAAZAAAAGQAAAAAAAAAzMzMAAAAAABQAAAAUAAAAGQAAABkAAAAAAAAABcAAAAUAAAAAAAAAAAAAAD/fwAA/38AAAAAAAAJAAAABAAAAAAAAAAeAAAAaAAAAAAAAAAAAAAAAAAAAAAAAAAAAAAAECcAABAnAAAAAAAAAAAAAAAAAAAAAAAAAAAAAAAAAAAAAAAAAAAAABQAAAAAAAAAwMD/AAAAAABkAAAAMgAAAAAAAABkAAAAAAAAAH9/fwAKAAAAIgAAABgAAAAAAAAAAAAAAAAAAAAAAAAAAAAAAAAAAAAkAAAAJAAAAAAAAAAHAAAAAAAAAAAAAAAAAAAAAAAAAAAAAAAAAAAAf39/ACUAAABYAAAAAAAAAAAAAAAAAAAAAAAAAAAAAAAAAAAAAAAAAAAAAAAAAAAAAAAAAAAAAAA/AAAAAAAAAKCGAQAAAAAAAAAAAAAAAAAMAAAAAQAAAAAAAAAAAAAAAAAAAB8AAABUAAAAAAAABQAAAAEAAAAAAAAAAAAAAAAAAAAAAAAAAAAAAAAAAAAAAAAAAAAAAAJ/f38AAAAAA8zMzADAwP8Af39/AAAAAAAAAAAAAAAAAAAAAAAAAAAAIQAAABgAAAAUAAAAwAMAABsnAAA/FQAAWSkAABAAAAAmAAAACAAAAAAAAAAAAAAAMAAAABQAAAAAAAAAAAD//wAAAQAAAP//AAABAA=="/>
+                <pr:smNativeData xmlns:pr="smNativeData" xmlns="smNativeData" val="SMDATA_16_D/2gZxMAAAAlAAAAZAAAAA8BAAAAkAAAAEgAAACQAAAASAAAAAAAAAABAAAAAAAAAAEAAABQAAAAAAAAAAAA4D8AAAAAAADgPwAAAAAAAOA/AAAAAAAA4D8AAAAAAADgPwAAAAAAAOA/AAAAAAAA4D8AAAAAAADgPwAAAAAAAOA/AAAAAAAA4D8CAAAAjAAAAAAAAAAAAAAAu+DjDP///wgAAAAAAAAAAAAAAAAAAAAAAAAAAAAAAAAAAAAAZAAAAAEAAABAAAAAAAAAAAAAAAAAAAAAAAAAAAAAAAAAAAAAAAAAAAAAAAAAAAAAAAAAAAAAAAAAAAAAAAAAAAAAAAAAAAAAAAAAAAAAAAAAAAAAAAAAAAAAAAAAAAAAFAAAADwAAAAAAAAAAAAAAAAAAAkUAAAAAQAAABQAAAAUAAAAFAAAAAEAAAAAAAAAZAAAAGQAAAAAAAAAZAAAAGQAAAAVAAAAYAAAAAAAAAAAAAAADwAAACADAAAAAAAAAAAAAAEAAACgMgAAVgcAAKr4//8BAAAAf39/AAEAAABkAAAAAAAAABQAAABAHwAAAAAAACYAAAAAAAAAwOD//wAAAAAmAAAAZAAAABYAAABMAAAAAAAAAAAAAAAEAAAAAAAAAAEAAACAgIAKAAAAACgAAAAoAAAAZAAAAGQAAAAAAAAAzMzMAAAAAABQAAAAUAAAAGQAAABkAAAAAAAAABcAAAAUAAAAAAAAAAAAAAD/fwAA/38AAAAAAAAJAAAABAAAAAAAAAAeAAAAaAAAAAAAAAAAAAAAAAAAAAAAAAAAAAAAECcAABAnAAAAAAAAAAAAAAAAAAAAAAAAAAAAAAAAAAAAAAAAAAAAABQAAAAAAAAAwMD/AAAAAABkAAAAMgAAAAAAAABkAAAAAAAAAH9/fwAKAAAAIgAAABgAAAAAAAAAAAAAAAAAAAAAAAAAAAAAAAAAAAAkAAAAJAAAAAAAAAAHAAAAAAAAAAAAAAAAAAAAAAAAAAAAAAAAAAAAf39/ACUAAABYAAAAAAAAAAAAAAAAAAAAAAAAAAAAAAAAAAAAAAAAAAAAAAAAAAAAAAAAAAAAAAA/AAAAAAAAAKCGAQAAAAAAAAAAAAAAAAAMAAAAAQAAAAAAAAAAAAAAAAAAAB8AAABUAAAAAAAABQAAAAEAAAAAAAAAAAAAAAAAAAAAAAAAAAAAAAAAAAAAAAAAAAAAAAJ/f38AAAAAA8zMzADAwP8Af39/AAAAAAAAAAAAAAAAAAAAAAAAAAAAIQAAABgAAAAUAAAAwAMAABsnAAA/FQAAWSkAABAAAAAmAAAACAAAAAAAAAAAAAAAMAAAABQAAAAAAAAAAAD//wAAAQAAAP//AAABAA=="/>
               </a:ext>
             </a:extLst>
           </p:cNvSpPr>
@@ -351,7 +351,7 @@
           <a:lstStyle/>
           <a:p>
             <a:pPr/>
-            <a:fld id="{3D144F40-0ED0-41B9-9EAC-F8EC01E268AD}" type="datetime1">
+            <a:fld id="{3DF9A86A-24D0-AC5E-9E41-D20BE60F6887}" type="datetime1">
               <a:t/>
             </a:fld>
           </a:p>
@@ -364,7 +364,7 @@
             <a:spLocks noGrp="1" noChangeArrowheads="1"/>
             <a:extLst>
               <a:ext uri="smNativeData">
-                <pr:smNativeData xmlns:pr="smNativeData" xmlns="smNativeData" val="SMDATA_16_yvWgZxMAAAAlAAAAZAAAAA8BAAAAkAAAAEgAAACQAAAASAAAAAAAAAABAAAAAAAAAAEAAABQAAAAAAAAAAAA4D8AAAAAAADgPwAAAAAAAOA/AAAAAAAA4D8AAAAAAADgPwAAAAAAAOA/AAAAAAAA4D8AAAAAAADgPwAAAAAAAOA/AAAAAAAA4D8CAAAAjAAAAAAAAAAAAAAAu+DjDP///wgAAAAAAAAAAAAAAAAAAAAAAAAAAAAAAAAAAAAAZAAAAAEAAABAAAAAAAAAAAAAAAAAAAAAAAAAAAAAAAAAAAAAAAAAAAAAAAAAAAAAAAAAAAAAAAAAAAAAAAAAAAAAAAAAAAAAAAAAAAAAAAAAAAAAAAAAAAAAAAAAAAAAFAAAADwAAAAAAAAAAAAAAAAAAAkUAAAAAQAAABQAAAAUAAAAFAAAAAEAAAAAAAAAZAAAAGQAAAAAAAAAZAAAAGQAAAAVAAAAYAAAAAAAAAAAAAAADwAAACADAAAAAAAAAAAAAAEAAACgMgAAVgcAAKr4//8BAAAAf39/AAEAAABkAAAAAAAAABQAAABAHwAAAAAAACYAAAAAAAAAwOD//wAAAAAmAAAAZAAAABYAAABMAAAAAAAAAAAAAAAEAAAAAAAAAAEAAACAgIAKAAAAACgAAAAoAAAAZAAAAGQAAAAAAAAAzMzMAAAAAABQAAAAUAAAAGQAAABkAAAAAAAAABcAAAAUAAAAAAAAAAAAAAD/fwAA/38AAAAAAAAJAAAABAAAAAAAAAAeAAAAaAAAAAAAAAAAAAAAAAAAAAAAAAAAAAAAECcAABAnAAAAAAAAAAAAAAAAAAAAAAAAAAAAAAAAAAAAAAAAAAAAABQAAAAAAAAAwMD/AAAAAABkAAAAMgAAAAAAAABkAAAAAAAAAH9/fwAKAAAAIgAAABgAAAAAAAAAAAAAAAAAAAAAAAAAAAAAAAAAAAAkAAAAJAAAAAAAAAAHAAAAAAAAAAAAAAAAAAAAAAAAAAAAAAAAAAAAf39/ACUAAABYAAAAAAAAAAAAAAAAAAAAAAAAAAAAAAAAAAAAAAAAAAAAAAAAAAAAAAAAAAAAAAA/AAAAAAAAAKCGAQAAAAAAAAAAAAAAAAAMAAAAAQAAAAAAAAAAAAAAAAAAAB8AAABUAAAAAAAABQAAAAEAAAAAAAAAAAAAAAAAAAAAAAAAAAAAAAAAAAAAAAAAAAAAAAJ/f38AAAAAA8zMzADAwP8Af39/AAAAAAAAAAAAAAAAAAAAAAAAAAAAIQAAABgAAAAUAAAAoRkAABsnAABfMQAAWSkAABAAAAAmAAAACAAAAAAAAAAAAAAAMAAAABQAAAAAAAAAAAD//wAAAQAAAP//AAABAA=="/>
+                <pr:smNativeData xmlns:pr="smNativeData" xmlns="smNativeData" val="SMDATA_16_D/2gZxMAAAAlAAAAZAAAAA8BAAAAkAAAAEgAAACQAAAASAAAAAAAAAABAAAAAAAAAAEAAABQAAAAAAAAAAAA4D8AAAAAAADgPwAAAAAAAOA/AAAAAAAA4D8AAAAAAADgPwAAAAAAAOA/AAAAAAAA4D8AAAAAAADgPwAAAAAAAOA/AAAAAAAA4D8CAAAAjAAAAAAAAAAAAAAAu+DjDP///wgAAAAAAAAAAAAAAAAAAAAAAAAAAAAAAAAAAAAAZAAAAAEAAABAAAAAAAAAAAAAAAAAAAAAAAAAAAAAAAAAAAAAAAAAAAAAAAAAAAAAAAAAAAAAAAAAAAAAAAAAAAAAAAAAAAAAAAAAAAAAAAAAAAAAAAAAAAAAAAAAAAAAFAAAADwAAAAAAAAAAAAAAAAAAAkUAAAAAQAAABQAAAAUAAAAFAAAAAEAAAAAAAAAZAAAAGQAAAAAAAAAZAAAAGQAAAAVAAAAYAAAAAAAAAAAAAAADwAAACADAAAAAAAAAAAAAAEAAACgMgAAVgcAAKr4//8BAAAAf39/AAEAAABkAAAAAAAAABQAAABAHwAAAAAAACYAAAAAAAAAwOD//wAAAAAmAAAAZAAAABYAAABMAAAAAAAAAAAAAAAEAAAAAAAAAAEAAACAgIAKAAAAACgAAAAoAAAAZAAAAGQAAAAAAAAAzMzMAAAAAABQAAAAUAAAAGQAAABkAAAAAAAAABcAAAAUAAAAAAAAAAAAAAD/fwAA/38AAAAAAAAJAAAABAAAAAAAAAAeAAAAaAAAAAAAAAAAAAAAAAAAAAAAAAAAAAAAECcAABAnAAAAAAAAAAAAAAAAAAAAAAAAAAAAAAAAAAAAAAAAAAAAABQAAAAAAAAAwMD/AAAAAABkAAAAMgAAAAAAAABkAAAAAAAAAH9/fwAKAAAAIgAAABgAAAAAAAAAAAAAAAAAAAAAAAAAAAAAAAAAAAAkAAAAJAAAAAAAAAAHAAAAAAAAAAAAAAAAAAAAAAAAAAAAAAAAAAAAf39/ACUAAABYAAAAAAAAAAAAAAAAAAAAAAAAAAAAAAAAAAAAAAAAAAAAAAAAAAAAAAAAAAAAAAA/AAAAAAAAAKCGAQAAAAAAAAAAAAAAAAAMAAAAAQAAAAAAAAAAAAAAAAAAAB8AAABUAAAAAAAABQAAAAEAAAAAAAAAAAAAAAAAAAAAAAAAAAAAAAAAAAAAAAAAAAAAAAJ/f38AAAAAA8zMzADAwP8Af39/AAAAAAAAAAAAAAAAAAAAAAAAAAAAIQAAABgAAAAUAAAAoRkAABsnAABfMQAAWSkAABAAAAAmAAAACAAAAAAAAAAAAAAAMAAAABQAAAAAAAAAAAD//wAAAQAAAP//AAABAA=="/>
               </a:ext>
             </a:extLst>
           </p:cNvSpPr>
@@ -388,7 +388,7 @@
             <a:spLocks noGrp="1" noChangeArrowheads="1"/>
             <a:extLst>
               <a:ext uri="smNativeData">
-                <pr:smNativeData xmlns:pr="smNativeData" xmlns="smNativeData" val="SMDATA_16_yvWgZxMAAAAlAAAAZAAAAA8BAAAAkAAAAEgAAACQAAAASAAAAAAAAAABAAAAAAAAAAEAAABQAAAAAAAAAAAA4D8AAAAAAADgPwAAAAAAAOA/AAAAAAAA4D8AAAAAAADgPwAAAAAAAOA/AAAAAAAA4D8AAAAAAADgPwAAAAAAAOA/AAAAAAAA4D8CAAAAjAAAAAAAAAAAAAAAu+DjDP///wgAAAAAAAAAAAAAAAAAAAAAAAAAAAAAAAAAAAAAZAAAAAEAAABAAAAAAAAAAAAAAAAAAAAAAAAAAAAAAAAAAAAAAAAAAAAAAAAAAAAAAAAAAAAAAAAAAAAAAAAAAAAAAAAAAAAAAAAAAAAAAAAAAAAAAAAAAAAAAAAAAAAAFAAAADwAAAAAAAAAAAAAAAAAAAkUAAAAAQAAABQAAAAUAAAAFAAAAAEAAAAAAAAAZAAAAGQAAAAAAAAAZAAAAGQAAAAVAAAAYAAAAAAAAAAAAAAADwAAACADAAAAAAAAAAAAAAEAAACgMgAAVgcAAKr4//8BAAAAf39/AAEAAABkAAAAAAAAABQAAABAHwAAAAAAACYAAAAAAAAAwOD//wAAAAAmAAAAZAAAABYAAABMAAAAAAAAAAAAAAAEAAAAAAAAAAEAAACAgIAKAAAAACgAAAAoAAAAZAAAAGQAAAAAAAAAzMzMAAAAAABQAAAAUAAAAGQAAABkAAAAAAAAABcAAAAUAAAAAAAAAAAAAAD/fwAA/38AAAAAAAAJAAAABAAAAHsAfAAeAAAAaAAAAAAAAAAAAAAAAAAAAAAAAAAAAAAAECcAABAnAAAAAAAAAAAAAAAAAAAAAAAAAAAAAAAAAAAAAAAAAAAAABQAAAAAAAAAwMD/AAAAAABkAAAAMgAAAAAAAABkAAAAAAAAAH9/fwAKAAAAIgAAABgAAAAAAAAAAAAAAAAAAAAAAAAAAAAAAAAAAAAkAAAAJAAAAAAAAAAHAAAAAAAAAAAAAAAAAAAAAAAAAAAAAAAAAAAAf39/ACUAAABYAAAAAAAAAAAAAAAAAAAAAAAAAAAAAAAAAAAAAAAAAAAAAAAAAAAAAAAAAAAAAAA/AAAAAAAAAKCGAQAAAAAAAAAAAAAAAAAMAAAAAQAAAAAAAAAAAAAAAAAAAB8AAABUAAAAAAAABQAAAAEAAAAAAAAAAAAAAAAAAAAAAAAAAAAAAAAAAAAAAAAAAAAAAAJ/f38AAAAAA8zMzADAwP8Af39/AAAAAAAAAAAAAAAAAAAAAAAAAAAAIQAAABgAAAAUAAAAwTUAABsnAABARwAAWSkAABAAAAAmAAAACAAAAAAAAAAAAAAAMAAAABQAAAAAAAAAAAD//wAAAQAAAP//AAABAA=="/>
+                <pr:smNativeData xmlns:pr="smNativeData" xmlns="smNativeData" val="SMDATA_16_D/2gZxMAAAAlAAAAZAAAAA8BAAAAkAAAAEgAAACQAAAASAAAAAAAAAABAAAAAAAAAAEAAABQAAAAAAAAAAAA4D8AAAAAAADgPwAAAAAAAOA/AAAAAAAA4D8AAAAAAADgPwAAAAAAAOA/AAAAAAAA4D8AAAAAAADgPwAAAAAAAOA/AAAAAAAA4D8CAAAAjAAAAAAAAAAAAAAAu+DjDP///wgAAAAAAAAAAAAAAAAAAAAAAAAAAAAAAAAAAAAAZAAAAAEAAABAAAAAAAAAAAAAAAAAAAAAAAAAAAAAAAAAAAAAAAAAAAAAAAAAAAAAAAAAAAAAAAAAAAAAAAAAAAAAAAAAAAAAAAAAAAAAAAAAAAAAAAAAAAAAAAAAAAAAFAAAADwAAAAAAAAAAAAAAAAAAAkUAAAAAQAAABQAAAAUAAAAFAAAAAEAAAAAAAAAZAAAAGQAAAAAAAAAZAAAAGQAAAAVAAAAYAAAAAAAAAAAAAAADwAAACADAAAAAAAAAAAAAAEAAACgMgAAVgcAAKr4//8BAAAAf39/AAEAAABkAAAAAAAAABQAAABAHwAAAAAAACYAAAAAAAAAwOD//wAAAAAmAAAAZAAAABYAAABMAAAAAAAAAAAAAAAEAAAAAAAAAAEAAACAgIAKAAAAACgAAAAoAAAAZAAAAGQAAAAAAAAAzMzMAAAAAABQAAAAUAAAAGQAAABkAAAAAAAAABcAAAAUAAAAAAAAAAAAAAD/fwAA/38AAAAAAAAJAAAABAAAAHsAfAAeAAAAaAAAAAAAAAAAAAAAAAAAAAAAAAAAAAAAECcAABAnAAAAAAAAAAAAAAAAAAAAAAAAAAAAAAAAAAAAAAAAAAAAABQAAAAAAAAAwMD/AAAAAABkAAAAMgAAAAAAAABkAAAAAAAAAH9/fwAKAAAAIgAAABgAAAAAAAAAAAAAAAAAAAAAAAAAAAAAAAAAAAAkAAAAJAAAAAAAAAAHAAAAAAAAAAAAAAAAAAAAAAAAAAAAAAAAAAAAf39/ACUAAABYAAAAAAAAAAAAAAAAAAAAAAAAAAAAAAAAAAAAAAAAAAAAAAAAAAAAAAAAAAAAAAA/AAAAAAAAAKCGAQAAAAAAAAAAAAAAAAAMAAAAAQAAAAAAAAAAAAAAAAAAAB8AAABUAAAAAAAABQAAAAEAAAAAAAAAAAAAAAAAAAAAAAAAAAAAAAAAAAAAAAAAAAAAAAJ/f38AAAAAA8zMzADAwP8Af39/AAAAAAAAAAAAAAAAAAAAAAAAAAAAIQAAABgAAAAUAAAAwTUAABsnAABARwAAWSkAABAAAAAmAAAACAAAAAAAAAAAAAAAMAAAABQAAAAAAAAAAAD//wAAAQAAAP//AAABAA=="/>
               </a:ext>
             </a:extLst>
           </p:cNvSpPr>
@@ -402,7 +402,7 @@
           <a:lstStyle/>
           <a:p>
             <a:pPr/>
-            <a:fld id="{3D14590B-45D0-41AF-9EAC-B3FA17E268E6}" type="slidenum">
+            <a:fld id="{3DF9934D-03D0-AC65-9E41-F530DD0F68A0}" type="slidenum">
               <a:t/>
             </a:fld>
           </a:p>
@@ -441,7 +441,7 @@
             <a:spLocks noGrp="1" noChangeArrowheads="1"/>
             <a:extLst>
               <a:ext uri="smNativeData">
-                <pr:smNativeData xmlns:pr="smNativeData" xmlns="smNativeData" val="SMDATA_16_yvWgZxMAAAAlAAAAZAAAAA8BAAAAkAAAAEgAAACQAAAASAAAAAAAAAABAAAAAAAAAAEAAABQAAAAAAAAAAAA4D8AAAAAAADgPwAAAAAAAOA/AAAAAAAA4D8AAAAAAADgPwAAAAAAAOA/AAAAAAAA4D8AAAAAAADgPwAAAAAAAOA/AAAAAAAA4D8CAAAAjAAAAAAAAAAAAAAAu+DjDP///wgAAAAAAAAAAAAAAAAAAAAAAAAAAAAAAAAAAAAAZAAAAAEAAABAAAAAAAAAAAAAAAAAAAAAAAAAAAAAAAAAAAAAAAAAAAAAAAAAAAAAAAAAAAAAAAAAAAAAAAAAAAAAAAAAAAAAAAAAAAAAAAAAAAAAAAAAAAAAAAAAAAAAFAAAADwAAAAAAAAAAAAAAAAAAAkUAAAAAQAAABQAAAAUAAAAFAAAAAEAAAAAAAAAZAAAAGQAAAAAAAAAZAAAAGQAAAAVAAAAYAAAAAAAAAAAAAAADwAAACADAAAAAAAAAAAAAAEAAACgMgAAVgcAAKr4//8BAAAAf39/AAEAAABkAAAAAAAAABQAAABAHwAAAAAAACYAAAAAAAAAwOD//wAAAAAmAAAAZAAAABYAAABMAAAAAAAAAAAAAAAEAAAAAAAAAAEAAACAgIAKAAAAACgAAAAoAAAAZAAAAGQAAAAAAAAAzMzMAAAAAABQAAAAUAAAAGQAAABkAAAAAAAAABcAAAAUAAAAAAAAAAAAAAD/fwAA/38AAAAAAAAJAAAABAAAAG49IjEeAAAAaAAAAAAAAAAAAAAAAAAAAAAAAAAAAAAAECcAABAnAAAAAAAAAAAAAAAAAAAAAAAAAAAAAAAAAAAAAAAAAAAAABQAAAAAAAAAwMD/AAAAAABkAAAAMgAAAAAAAABkAAAAAAAAAH9/fwAKAAAAIgAAABgAAAAAAAAAAAAAAAAAAAAAAAAAAAAAAAAAAAAkAAAAJAAAAAAAAAAHAAAAAAAAAAAAAAAAAAAAAAAAAAAAAAAAAAAAf39/ACUAAABYAAAAAAAAAAAAAAAAAAAAAAAAAAAAAAAAAAAAAAAAAAAAAAAAAAAAAAAAAAAAAAA/AAAAAAAAAKCGAQAAAAAAAAAAAAAAAAAMAAAAAQAAAAAAAAAAAAAAAAAAAB8AAABUAAAAAAAABQAAAAEAAAAAAAAAAAAAAAAAAAAAAAAAAAAAAAAAAAAAAAAAAAAAAAJ/f38AAAAAA8zMzADAwP8Af39/AAAAAAAAAAAAAAAAAAAAAAAAAAAAIQAAABgAAAAUAAAAwAMAALABAABARwAAuAgAABAAAAAmAAAACAAAAAAAAAAAAAAAMAAAABQAAAAAAAAAAAD//wAAAQAAAP//AAABAA=="/>
+                <pr:smNativeData xmlns:pr="smNativeData" xmlns="smNativeData" val="SMDATA_16_D/2gZxMAAAAlAAAAZAAAAA8BAAAAkAAAAEgAAACQAAAASAAAAAAAAAABAAAAAAAAAAEAAABQAAAAAAAAAAAA4D8AAAAAAADgPwAAAAAAAOA/AAAAAAAA4D8AAAAAAADgPwAAAAAAAOA/AAAAAAAA4D8AAAAAAADgPwAAAAAAAOA/AAAAAAAA4D8CAAAAjAAAAAAAAAAAAAAAu+DjDP///wgAAAAAAAAAAAAAAAAAAAAAAAAAAAAAAAAAAAAAZAAAAAEAAABAAAAAAAAAAAAAAAAAAAAAAAAAAAAAAAAAAAAAAAAAAAAAAAAAAAAAAAAAAAAAAAAAAAAAAAAAAAAAAAAAAAAAAAAAAAAAAAAAAAAAAAAAAAAAAAAAAAAAFAAAADwAAAAAAAAAAAAAAAAAAAkUAAAAAQAAABQAAAAUAAAAFAAAAAEAAAAAAAAAZAAAAGQAAAAAAAAAZAAAAGQAAAAVAAAAYAAAAAAAAAAAAAAADwAAACADAAAAAAAAAAAAAAEAAACgMgAAVgcAAKr4//8BAAAAf39/AAEAAABkAAAAAAAAABQAAABAHwAAAAAAACYAAAAAAAAAwOD//wAAAAAmAAAAZAAAABYAAABMAAAAAAAAAAAAAAAEAAAAAAAAAAEAAACAgIAKAAAAACgAAAAoAAAAZAAAAGQAAAAAAAAAzMzMAAAAAABQAAAAUAAAAGQAAABkAAAAAAAAABcAAAAUAAAAAAAAAAAAAAD/fwAA/38AAAAAAAAJAAAABAAAAG49IjEeAAAAaAAAAAAAAAAAAAAAAAAAAAAAAAAAAAAAECcAABAnAAAAAAAAAAAAAAAAAAAAAAAAAAAAAAAAAAAAAAAAAAAAABQAAAAAAAAAwMD/AAAAAABkAAAAMgAAAAAAAABkAAAAAAAAAH9/fwAKAAAAIgAAABgAAAAAAAAAAAAAAAAAAAAAAAAAAAAAAAAAAAAkAAAAJAAAAAAAAAAHAAAAAAAAAAAAAAAAAAAAAAAAAAAAAAAAAAAAf39/ACUAAABYAAAAAAAAAAAAAAAAAAAAAAAAAAAAAAAAAAAAAAAAAAAAAAAAAAAAAAAAAAAAAAA/AAAAAAAAAKCGAQAAAAAAAAAAAAAAAAAMAAAAAQAAAAAAAAAAAAAAAAAAAB8AAABUAAAAAAAABQAAAAEAAAAAAAAAAAAAAAAAAAAAAAAAAAAAAAAAAAAAAAAAAAAAAAJ/f38AAAAAA8zMzADAwP8Af39/AAAAAAAAAAAAAAAAAAAAAAAAAAAAIQAAABgAAAAUAAAAwAMAALABAABARwAAuAgAABAAAAAmAAAACAAAAAAAAAAAAAAAMAAAABQAAAAAAAAAAAD//wAAAQAAAP//AAABAA=="/>
               </a:ext>
             </a:extLst>
           </p:cNvSpPr>
@@ -468,7 +468,7 @@
             <a:spLocks noGrp="1" noChangeArrowheads="1"/>
             <a:extLst>
               <a:ext uri="smNativeData">
-                <pr:smNativeData xmlns:pr="smNativeData" xmlns="smNativeData" val="SMDATA_16_yvWgZxMAAAAlAAAAZAAAAA8BAAAAkAAAAEgAAACQAAAASAAAAAAAAAAAAAAAAQAAAAEAAABQAAAAAAAAAAAA4D8AAAAAAADgPwAAAAAAAOA/AAAAAAAA4D8AAAAAAADgPwAAAAAAAOA/AAAAAAAA4D8AAAAAAADgPwAAAAAAAOA/AAAAAAAA4D8CAAAAjAAAAAAAAAAAAAAAu+DjDP///wgAAAAAAAAAAAAAAAAAAAAAAAAAAAAAAAAAAAAAZAAAAAEAAABAAAAAAAAAAAAAAAAAAAAAAAAAAAAAAAAAAAAAAAAAAAAAAAAAAAAAAAAAAAAAAAAAAAAAAAAAAAAAAAAAAAAAAAAAAAAAAAAAAAAAAAAAAAAAAAAAAAAAFAAAADwAAAAAAAAAAAAAAAAAAAkUAAAAAQAAABQAAAAUAAAAFAAAAAEAAAAAAAAAZAAAAGQAAAAAAAAAZAAAAGQAAAAVAAAAYAAAAAAAAAAAAAAADwAAACADAAAAAAAAAAAAAAEAAACgMgAAVgcAAKr4//8BAAAAf39/AAEAAABkAAAAAAAAABQAAABAHwAAAAAAACYAAAAAAAAAwOD//wAAAAAmAAAAZAAAABYAAABMAAAAAAAAAAAAAAAEAAAAAAAAAAEAAACAgIAKAAAAACgAAAAoAAAAZAAAAGQAAAAAAAAAzMzMAAAAAABQAAAAUAAAAGQAAABkAAAAAAAAABcAAAAUAAAAAAAAAAAAAAD/fwAA/38AAAAAAAAJAAAABAAAAAAAAAAeAAAAaAAAAAAAAAAAAAAAAAAAAAAAAAAAAAAAECcAABAnAAAAAAAAAAAAAAAAAAAAAAAAAAAAAAAAAAAAAAAAAAAAABQAAAAAAAAAwMD/AAAAAABkAAAAMgAAAAAAAABkAAAAAAAAAH9/fwAKAAAAIgAAABgAAAAAAAAAAAAAAAAAAAAAAAAAAAAAAAAAAAAkAAAAJAAAAAAAAAAHAAAAAAAAAAAAAAAAAAAAAAAAAAAAAAAAAAAAf39/ACUAAABYAAAAAAAAAAAAAAAAAAAAAAAAAAAAAAAAAAAAAAAAAAAAAAAAAAAAAAAAAAAAAAA/AAAAAAAAAKCGAQAAAAAAAAAAAAAAAAAMAAAAAQAAAAAAAAAAAAAAAAAAAB8AAABUAAAAAAAABQAAAAEAAAAAAAAAAAAAAAAAAAAAAAAAAAAAAAAAAAAAAAAAAAAAAAJ/f38AAAAAA8zMzADAwP8Af39/AAAAAAAAAAAAAAAAAAAAAAAAAAAAIQAAABgAAAAUAAAAwAMAANgJAABARwAAsCUAABAAAAAmAAAACAAAAAIAAAAAAAAAMAAAABQAAAAAAAAAAAD//wAAAQAAAP//AAABAA=="/>
+                <pr:smNativeData xmlns:pr="smNativeData" xmlns="smNativeData" val="SMDATA_16_D/2gZxMAAAAlAAAAZAAAAA8BAAAAkAAAAEgAAACQAAAASAAAAAAAAAAAAAAAAQAAAAEAAABQAAAAAAAAAAAA4D8AAAAAAADgPwAAAAAAAOA/AAAAAAAA4D8AAAAAAADgPwAAAAAAAOA/AAAAAAAA4D8AAAAAAADgPwAAAAAAAOA/AAAAAAAA4D8CAAAAjAAAAAAAAAAAAAAAu+DjDP///wgAAAAAAAAAAAAAAAAAAAAAAAAAAAAAAAAAAAAAZAAAAAEAAABAAAAAAAAAAAAAAAAAAAAAAAAAAAAAAAAAAAAAAAAAAAAAAAAAAAAAAAAAAAAAAAAAAAAAAAAAAAAAAAAAAAAAAAAAAAAAAAAAAAAAAAAAAAAAAAAAAAAAFAAAADwAAAAAAAAAAAAAAAAAAAkUAAAAAQAAABQAAAAUAAAAFAAAAAEAAAAAAAAAZAAAAGQAAAAAAAAAZAAAAGQAAAAVAAAAYAAAAAAAAAAAAAAADwAAACADAAAAAAAAAAAAAAEAAACgMgAAVgcAAKr4//8BAAAAf39/AAEAAABkAAAAAAAAABQAAABAHwAAAAAAACYAAAAAAAAAwOD//wAAAAAmAAAAZAAAABYAAABMAAAAAAAAAAAAAAAEAAAAAAAAAAEAAACAgIAKAAAAACgAAAAoAAAAZAAAAGQAAAAAAAAAzMzMAAAAAABQAAAAUAAAAGQAAABkAAAAAAAAABcAAAAUAAAAAAAAAAAAAAD/fwAA/38AAAAAAAAJAAAABAAAAAAAAAAeAAAAaAAAAAAAAAAAAAAAAAAAAAAAAAAAAAAAECcAABAnAAAAAAAAAAAAAAAAAAAAAAAAAAAAAAAAAAAAAAAAAAAAABQAAAAAAAAAwMD/AAAAAABkAAAAMgAAAAAAAABkAAAAAAAAAH9/fwAKAAAAIgAAABgAAAAAAAAAAAAAAAAAAAAAAAAAAAAAAAAAAAAkAAAAJAAAAAAAAAAHAAAAAAAAAAAAAAAAAAAAAAAAAAAAAAAAAAAAf39/ACUAAABYAAAAAAAAAAAAAAAAAAAAAAAAAAAAAAAAAAAAAAAAAAAAAAAAAAAAAAAAAAAAAAA/AAAAAAAAAKCGAQAAAAAAAAAAAAAAAAAMAAAAAQAAAAAAAAAAAAAAAAAAAB8AAABUAAAAAAAABQAAAAEAAAAAAAAAAAAAAAAAAAAAAAAAAAAAAAAAAAAAAAAAAAAAAAJ/f38AAAAAA8zMzADAwP8Af39/AAAAAAAAAAAAAAAAAAAAAAAAAAAAIQAAABgAAAAUAAAAwAMAANgJAABARwAAsCUAABAAAAAmAAAACAAAAAIAAAAAAAAAMAAAABQAAAAAAAAAAAD//wAAAQAAAP//AAABAA=="/>
               </a:ext>
             </a:extLst>
           </p:cNvSpPr>
@@ -523,7 +523,7 @@
             <a:spLocks noGrp="1" noChangeArrowheads="1"/>
             <a:extLst>
               <a:ext uri="smNativeData">
-                <pr:smNativeData xmlns:pr="smNativeData" xmlns="smNativeData" val="SMDATA_16_yvWgZxMAAAAlAAAAZAAAAA8BAAAAkAAAAEgAAACQAAAASAAAAAAAAAABAAAAAAAAAAEAAABQAAAAAAAAAAAA4D8AAAAAAADgPwAAAAAAAOA/AAAAAAAA4D8AAAAAAADgPwAAAAAAAOA/AAAAAAAA4D8AAAAAAADgPwAAAAAAAOA/AAAAAAAA4D8CAAAAjAAAAAAAAAAAAAAAu+DjDP///wgAAAAAAAAAAAAAAAAAAAAAAAAAAAAAAAAAAAAAZAAAAAEAAABAAAAAAAAAAAAAAAAAAAAAAAAAAAAAAAAAAAAAAAAAAAAAAAAAAAAAAAAAAAAAAAAAAAAAAAAAAAAAAAAAAAAAAAAAAAAAAAAAAAAAAAAAAAAAAAAAAAAAFAAAADwAAAAAAAAAAAAAAAAAAAkUAAAAAQAAABQAAAAUAAAAFAAAAAEAAAAAAAAAZAAAAGQAAAAAAAAAZAAAAGQAAAAVAAAAYAAAAAAAAAAAAAAADwAAACADAAAAAAAAAAAAAAEAAACgMgAAVgcAAKr4//8BAAAAf39/AAEAAABkAAAAAAAAABQAAABAHwAAAAAAACYAAAAAAAAAwOD//wAAAAAmAAAAZAAAABYAAABMAAAAAAAAAAAAAAAEAAAAAAAAAAEAAACAgIAKAAAAACgAAAAoAAAAZAAAAGQAAAAAAAAAzMzMAAAAAABQAAAAUAAAAGQAAABkAAAAAAAAABcAAAAUAAAAAAAAAAAAAAD/fwAA/38AAAAAAAAJAAAABAAAAAAAAAAeAAAAaAAAAAAAAAAAAAAAAAAAAAAAAAAAAAAAECcAABAnAAAAAAAAAAAAAAAAAAAAAAAAAAAAAAAAAAAAAAAAAAAAABQAAAAAAAAAwMD/AAAAAABkAAAAMgAAAAAAAABkAAAAAAAAAH9/fwAKAAAAIgAAABgAAAAAAAAAAAAAAAAAAAAAAAAAAAAAAAAAAAAkAAAAJAAAAAAAAAAHAAAAAAAAAAAAAAAAAAAAAAAAAAAAAAAAAAAAf39/ACUAAABYAAAAAAAAAAAAAAAAAAAAAAAAAAAAAAAAAAAAAAAAAAAAAAAAAAAAAAAAAAAAAAA/AAAAAAAAAKCGAQAAAAAAAAAAAAAAAAAMAAAAAQAAAAAAAAAAAAAAAAAAAB8AAABUAAAAAAAABQAAAAEAAAAAAAAAAAAAAAAAAAAAAAAAAAAAAAAAAAAAAAAAAAAAAAJ/f38AAAAAA8zMzADAwP8Af39/AAAAAAAAAAAAAAAAAAAAAAAAAAAAIQAAABgAAAAUAAAAwAMAABsnAAA/FQAAWSkAABAAAAAmAAAACAAAAAAAAAAAAAAAMAAAABQAAAAAAAAAAAD//wAAAQAAAP//AAABAA=="/>
+                <pr:smNativeData xmlns:pr="smNativeData" xmlns="smNativeData" val="SMDATA_16_D/2gZxMAAAAlAAAAZAAAAA8BAAAAkAAAAEgAAACQAAAASAAAAAAAAAABAAAAAAAAAAEAAABQAAAAAAAAAAAA4D8AAAAAAADgPwAAAAAAAOA/AAAAAAAA4D8AAAAAAADgPwAAAAAAAOA/AAAAAAAA4D8AAAAAAADgPwAAAAAAAOA/AAAAAAAA4D8CAAAAjAAAAAAAAAAAAAAAu+DjDP///wgAAAAAAAAAAAAAAAAAAAAAAAAAAAAAAAAAAAAAZAAAAAEAAABAAAAAAAAAAAAAAAAAAAAAAAAAAAAAAAAAAAAAAAAAAAAAAAAAAAAAAAAAAAAAAAAAAAAAAAAAAAAAAAAAAAAAAAAAAAAAAAAAAAAAAAAAAAAAAAAAAAAAFAAAADwAAAAAAAAAAAAAAAAAAAkUAAAAAQAAABQAAAAUAAAAFAAAAAEAAAAAAAAAZAAAAGQAAAAAAAAAZAAAAGQAAAAVAAAAYAAAAAAAAAAAAAAADwAAACADAAAAAAAAAAAAAAEAAACgMgAAVgcAAKr4//8BAAAAf39/AAEAAABkAAAAAAAAABQAAABAHwAAAAAAACYAAAAAAAAAwOD//wAAAAAmAAAAZAAAABYAAABMAAAAAAAAAAAAAAAEAAAAAAAAAAEAAACAgIAKAAAAACgAAAAoAAAAZAAAAGQAAAAAAAAAzMzMAAAAAABQAAAAUAAAAGQAAABkAAAAAAAAABcAAAAUAAAAAAAAAAAAAAD/fwAA/38AAAAAAAAJAAAABAAAAAAAAAAeAAAAaAAAAAAAAAAAAAAAAAAAAAAAAAAAAAAAECcAABAnAAAAAAAAAAAAAAAAAAAAAAAAAAAAAAAAAAAAAAAAAAAAABQAAAAAAAAAwMD/AAAAAABkAAAAMgAAAAAAAABkAAAAAAAAAH9/fwAKAAAAIgAAABgAAAAAAAAAAAAAAAAAAAAAAAAAAAAAAAAAAAAkAAAAJAAAAAAAAAAHAAAAAAAAAAAAAAAAAAAAAAAAAAAAAAAAAAAAf39/ACUAAABYAAAAAAAAAAAAAAAAAAAAAAAAAAAAAAAAAAAAAAAAAAAAAAAAAAAAAAAAAAAAAAA/AAAAAAAAAKCGAQAAAAAAAAAAAAAAAAAMAAAAAQAAAAAAAAAAAAAAAAAAAB8AAABUAAAAAAAABQAAAAEAAAAAAAAAAAAAAAAAAAAAAAAAAAAAAAAAAAAAAAAAAAAAAAJ/f38AAAAAA8zMzADAwP8Af39/AAAAAAAAAAAAAAAAAAAAAAAAAAAAIQAAABgAAAAUAAAAwAMAABsnAAA/FQAAWSkAABAAAAAmAAAACAAAAAAAAAAAAAAAMAAAABQAAAAAAAAAAAD//wAAAQAAAP//AAABAA=="/>
               </a:ext>
             </a:extLst>
           </p:cNvSpPr>
@@ -537,7 +537,7 @@
           <a:lstStyle/>
           <a:p>
             <a:pPr/>
-            <a:fld id="{3D141153-1DD0-41E7-9EAC-EBB25FE268BE}" type="datetime1">
+            <a:fld id="{3DF9F355-1BD0-AC05-9E41-ED50BD0F68B8}" type="datetime1">
               <a:t/>
             </a:fld>
           </a:p>
@@ -550,7 +550,7 @@
             <a:spLocks noGrp="1" noChangeArrowheads="1"/>
             <a:extLst>
               <a:ext uri="smNativeData">
-                <pr:smNativeData xmlns:pr="smNativeData" xmlns="smNativeData" val="SMDATA_16_yvWgZxMAAAAlAAAAZAAAAA8BAAAAkAAAAEgAAACQAAAASAAAAAAAAAABAAAAAAAAAAEAAABQAAAAAAAAAAAA4D8AAAAAAADgPwAAAAAAAOA/AAAAAAAA4D8AAAAAAADgPwAAAAAAAOA/AAAAAAAA4D8AAAAAAADgPwAAAAAAAOA/AAAAAAAA4D8CAAAAjAAAAAAAAAAAAAAAu+DjDP///wgAAAAAAAAAAAAAAAAAAAAAAAAAAAAAAAAAAAAAZAAAAAEAAABAAAAAAAAAAAAAAAAAAAAAAAAAAAAAAAAAAAAAAAAAAAAAAAAAAAAAAAAAAAAAAAAAAAAAAAAAAAAAAAAAAAAAAAAAAAAAAAAAAAAAAAAAAAAAAAAAAAAAFAAAADwAAAAAAAAAAAAAAAAAAAkUAAAAAQAAABQAAAAUAAAAFAAAAAEAAAAAAAAAZAAAAGQAAAAAAAAAZAAAAGQAAAAVAAAAYAAAAAAAAAAAAAAADwAAACADAAAAAAAAAAAAAAEAAACgMgAAVgcAAKr4//8BAAAAf39/AAEAAABkAAAAAAAAABQAAABAHwAAAAAAACYAAAAAAAAAwOD//wAAAAAmAAAAZAAAABYAAABMAAAAAAAAAAAAAAAEAAAAAAAAAAEAAACAgIAKAAAAACgAAAAoAAAAZAAAAGQAAAAAAAAAzMzMAAAAAABQAAAAUAAAAGQAAABkAAAAAAAAABcAAAAUAAAAAAAAAAAAAAD/fwAA/38AAAAAAAAJAAAABAAAAGE6c3AeAAAAaAAAAAAAAAAAAAAAAAAAAAAAAAAAAAAAECcAABAnAAAAAAAAAAAAAAAAAAAAAAAAAAAAAAAAAAAAAAAAAAAAABQAAAAAAAAAwMD/AAAAAABkAAAAMgAAAAAAAABkAAAAAAAAAH9/fwAKAAAAIgAAABgAAAAAAAAAAAAAAAAAAAAAAAAAAAAAAAAAAAAkAAAAJAAAAAAAAAAHAAAAAAAAAAAAAAAAAAAAAAAAAAAAAAAAAAAAf39/ACUAAABYAAAAAAAAAAAAAAAAAAAAAAAAAAAAAAAAAAAAAAAAAAAAAAAAAAAAAAAAAAAAAAA/AAAAAAAAAKCGAQAAAAAAAAAAAAAAAAAMAAAAAQAAAAAAAAAAAAAAAAAAAB8AAABUAAAAAAAABQAAAAEAAAAAAAAAAAAAAAAAAAAAAAAAAAAAAAAAAAAAAAAAAAAAAAJ/f38AAAAAA8zMzADAwP8Af39/AAAAAAAAAAAAAAAAAAAAAAAAAAAAIQAAABgAAAAUAAAAoRkAABsnAABfMQAAWSkAABAAAAAmAAAACAAAAAAAAAAAAAAAMAAAABQAAAAAAAAAAAD//wAAAQAAAP//AAABAA=="/>
+                <pr:smNativeData xmlns:pr="smNativeData" xmlns="smNativeData" val="SMDATA_16_D/2gZxMAAAAlAAAAZAAAAA8BAAAAkAAAAEgAAACQAAAASAAAAAAAAAABAAAAAAAAAAEAAABQAAAAAAAAAAAA4D8AAAAAAADgPwAAAAAAAOA/AAAAAAAA4D8AAAAAAADgPwAAAAAAAOA/AAAAAAAA4D8AAAAAAADgPwAAAAAAAOA/AAAAAAAA4D8CAAAAjAAAAAAAAAAAAAAAu+DjDP///wgAAAAAAAAAAAAAAAAAAAAAAAAAAAAAAAAAAAAAZAAAAAEAAABAAAAAAAAAAAAAAAAAAAAAAAAAAAAAAAAAAAAAAAAAAAAAAAAAAAAAAAAAAAAAAAAAAAAAAAAAAAAAAAAAAAAAAAAAAAAAAAAAAAAAAAAAAAAAAAAAAAAAFAAAADwAAAAAAAAAAAAAAAAAAAkUAAAAAQAAABQAAAAUAAAAFAAAAAEAAAAAAAAAZAAAAGQAAAAAAAAAZAAAAGQAAAAVAAAAYAAAAAAAAAAAAAAADwAAACADAAAAAAAAAAAAAAEAAACgMgAAVgcAAKr4//8BAAAAf39/AAEAAABkAAAAAAAAABQAAABAHwAAAAAAACYAAAAAAAAAwOD//wAAAAAmAAAAZAAAABYAAABMAAAAAAAAAAAAAAAEAAAAAAAAAAEAAACAgIAKAAAAACgAAAAoAAAAZAAAAGQAAAAAAAAAzMzMAAAAAABQAAAAUAAAAGQAAABkAAAAAAAAABcAAAAUAAAAAAAAAAAAAAD/fwAA/38AAAAAAAAJAAAABAAAAGE6c3AeAAAAaAAAAAAAAAAAAAAAAAAAAAAAAAAAAAAAECcAABAnAAAAAAAAAAAAAAAAAAAAAAAAAAAAAAAAAAAAAAAAAAAAABQAAAAAAAAAwMD/AAAAAABkAAAAMgAAAAAAAABkAAAAAAAAAH9/fwAKAAAAIgAAABgAAAAAAAAAAAAAAAAAAAAAAAAAAAAAAAAAAAAkAAAAJAAAAAAAAAAHAAAAAAAAAAAAAAAAAAAAAAAAAAAAAAAAAAAAf39/ACUAAABYAAAAAAAAAAAAAAAAAAAAAAAAAAAAAAAAAAAAAAAAAAAAAAAAAAAAAAAAAAAAAAA/AAAAAAAAAKCGAQAAAAAAAAAAAAAAAAAMAAAAAQAAAAAAAAAAAAAAAAAAAB8AAABUAAAAAAAABQAAAAEAAAAAAAAAAAAAAAAAAAAAAAAAAAAAAAAAAAAAAAAAAAAAAAJ/f38AAAAAA8zMzADAwP8Af39/AAAAAAAAAAAAAAAAAAAAAAAAAAAAIQAAABgAAAAUAAAAoRkAABsnAABfMQAAWSkAABAAAAAmAAAACAAAAAAAAAAAAAAAMAAAABQAAAAAAAAAAAD//wAAAQAAAP//AAABAA=="/>
               </a:ext>
             </a:extLst>
           </p:cNvSpPr>
@@ -574,7 +574,7 @@
             <a:spLocks noGrp="1" noChangeArrowheads="1"/>
             <a:extLst>
               <a:ext uri="smNativeData">
-                <pr:smNativeData xmlns:pr="smNativeData" xmlns="smNativeData" val="SMDATA_16_yvWgZxMAAAAlAAAAZAAAAA8BAAAAkAAAAEgAAACQAAAASAAAAAAAAAABAAAAAAAAAAEAAABQAAAAAAAAAAAA4D8AAAAAAADgPwAAAAAAAOA/AAAAAAAA4D8AAAAAAADgPwAAAAAAAOA/AAAAAAAA4D8AAAAAAADgPwAAAAAAAOA/AAAAAAAA4D8CAAAAjAAAAAAAAAAAAAAAu+DjDP///wgAAAAAAAAAAAAAAAAAAAAAAAAAAAAAAAAAAAAAZAAAAAEAAABAAAAAAAAAAAAAAAAAAAAAAAAAAAAAAAAAAAAAAAAAAAAAAAAAAAAAAAAAAAAAAAAAAAAAAAAAAAAAAAAAAAAAAAAAAAAAAAAAAAAAAAAAAAAAAAAAAAAAFAAAADwAAAAAAAAAAAAAAAAAAAkUAAAAAQAAABQAAAAUAAAAFAAAAAEAAAAAAAAAZAAAAGQAAAAAAAAAZAAAAGQAAAAVAAAAYAAAAAAAAAAAAAAADwAAACADAAAAAAAAAAAAAAEAAACgMgAAVgcAAKr4//8BAAAAf39/AAEAAABkAAAAAAAAABQAAABAHwAAAAAAACYAAAAAAAAAwOD//wAAAAAmAAAAZAAAABYAAABMAAAAAAAAAAAAAAAEAAAAAAAAAAEAAACAgIAKAAAAACgAAAAoAAAAZAAAAGQAAAAAAAAAzMzMAAAAAABQAAAAUAAAAGQAAABkAAAAAAAAABcAAAAUAAAAAAAAAAAAAAD/fwAA/38AAAAAAAAJAAAABAAAAAAAAAAeAAAAaAAAAAAAAAAAAAAAAAAAAAAAAAAAAAAAECcAABAnAAAAAAAAAAAAAAAAAAAAAAAAAAAAAAAAAAAAAAAAAAAAABQAAAAAAAAAwMD/AAAAAABkAAAAMgAAAAAAAABkAAAAAAAAAH9/fwAKAAAAIgAAABgAAAAAAAAAAAAAAAAAAAAAAAAAAAAAAAAAAAAkAAAAJAAAAAAAAAAHAAAAAAAAAAAAAAAAAAAAAAAAAAAAAAAAAAAAf39/ACUAAABYAAAAAAAAAAAAAAAAAAAAAAAAAAAAAAAAAAAAAAAAAAAAAAAAAAAAAAAAAAAAAAA/AAAAAAAAAKCGAQAAAAAAAAAAAAAAAAAMAAAAAQAAAAAAAAAAAAAAAAAAAB8AAABUAAAAAAAABQAAAAEAAAAAAAAAAAAAAAAAAAAAAAAAAAAAAAAAAAAAAAAAAAAAAAJ/f38AAAAAA8zMzADAwP8Af39/AAAAAAAAAAAAAAAAAAAAAAAAAAAAIQAAABgAAAAUAAAAwTUAABsnAABARwAAWSkAABAAAAAmAAAACAAAAAAAAAAAAAAAMAAAABQAAAAAAAAAAAD//wAAAQAAAP//AAABAA=="/>
+                <pr:smNativeData xmlns:pr="smNativeData" xmlns="smNativeData" val="SMDATA_16_D/2gZxMAAAAlAAAAZAAAAA8BAAAAkAAAAEgAAACQAAAASAAAAAAAAAABAAAAAAAAAAEAAABQAAAAAAAAAAAA4D8AAAAAAADgPwAAAAAAAOA/AAAAAAAA4D8AAAAAAADgPwAAAAAAAOA/AAAAAAAA4D8AAAAAAADgPwAAAAAAAOA/AAAAAAAA4D8CAAAAjAAAAAAAAAAAAAAAu+DjDP///wgAAAAAAAAAAAAAAAAAAAAAAAAAAAAAAAAAAAAAZAAAAAEAAABAAAAAAAAAAAAAAAAAAAAAAAAAAAAAAAAAAAAAAAAAAAAAAAAAAAAAAAAAAAAAAAAAAAAAAAAAAAAAAAAAAAAAAAAAAAAAAAAAAAAAAAAAAAAAAAAAAAAAFAAAADwAAAAAAAAAAAAAAAAAAAkUAAAAAQAAABQAAAAUAAAAFAAAAAEAAAAAAAAAZAAAAGQAAAAAAAAAZAAAAGQAAAAVAAAAYAAAAAAAAAAAAAAADwAAACADAAAAAAAAAAAAAAEAAACgMgAAVgcAAKr4//8BAAAAf39/AAEAAABkAAAAAAAAABQAAABAHwAAAAAAACYAAAAAAAAAwOD//wAAAAAmAAAAZAAAABYAAABMAAAAAAAAAAAAAAAEAAAAAAAAAAEAAACAgIAKAAAAACgAAAAoAAAAZAAAAGQAAAAAAAAAzMzMAAAAAABQAAAAUAAAAGQAAABkAAAAAAAAABcAAAAUAAAAAAAAAAAAAAD/fwAA/38AAAAAAAAJAAAABAAAAAAAAAAeAAAAaAAAAAAAAAAAAAAAAAAAAAAAAAAAAAAAECcAABAnAAAAAAAAAAAAAAAAAAAAAAAAAAAAAAAAAAAAAAAAAAAAABQAAAAAAAAAwMD/AAAAAABkAAAAMgAAAAAAAABkAAAAAAAAAH9/fwAKAAAAIgAAABgAAAAAAAAAAAAAAAAAAAAAAAAAAAAAAAAAAAAkAAAAJAAAAAAAAAAHAAAAAAAAAAAAAAAAAAAAAAAAAAAAAAAAAAAAf39/ACUAAABYAAAAAAAAAAAAAAAAAAAAAAAAAAAAAAAAAAAAAAAAAAAAAAAAAAAAAAAAAAAAAAA/AAAAAAAAAKCGAQAAAAAAAAAAAAAAAAAMAAAAAQAAAAAAAAAAAAAAAAAAAB8AAABUAAAAAAAABQAAAAEAAAAAAAAAAAAAAAAAAAAAAAAAAAAAAAAAAAAAAAAAAAAAAAJ/f38AAAAAA8zMzADAwP8Af39/AAAAAAAAAAAAAAAAAAAAAAAAAAAAIQAAABgAAAAUAAAAwTUAABsnAABARwAAWSkAABAAAAAmAAAACAAAAAAAAAAAAAAAMAAAABQAAAAAAAAAAAD//wAAAQAAAP//AAABAA=="/>
               </a:ext>
             </a:extLst>
           </p:cNvSpPr>
@@ -588,7 +588,7 @@
           <a:lstStyle/>
           <a:p>
             <a:pPr/>
-            <a:fld id="{3D144F73-3DD0-41B9-9EAC-CBEC01E2689E}" type="slidenum">
+            <a:fld id="{3DF9E922-6CD0-AC1F-9E41-9A4AA70F68CF}" type="slidenum">
               <a:t/>
             </a:fld>
           </a:p>
@@ -627,7 +627,7 @@
             <a:spLocks noGrp="1" noChangeArrowheads="1"/>
             <a:extLst>
               <a:ext uri="smNativeData">
-                <pr:smNativeData xmlns:pr="smNativeData" xmlns="smNativeData" val="SMDATA_16_yvWgZxMAAAAlAAAAZAAAAA8BAAAAkAAAAEgAAACQAAAASAAAAAAAAAACAAAAAQAAAAEAAABQAAAAAAAAAAAA4D8AAAAAAADgPwAAAAAAAOA/AAAAAAAA4D8AAAAAAADgPwAAAAAAAOA/AAAAAAAA4D8AAAAAAADgPwAAAAAAAOA/AAAAAAAA4D8CAAAAjAAAAAAAAAAAAAAAu+DjDP///wgAAAAAAAAAAAAAAAAAAAAAAAAAAAAAAAAAAAAAZAAAAAEAAABAAAAAAAAAAAAAAAAAAAAAAAAAAAAAAAAAAAAAAAAAAAAAAAAAAAAAAAAAAAAAAAAAAAAAAAAAAAAAAAAAAAAAAAAAAAAAAAAAAAAAAAAAAAAAAAAAAAAAFAAAADwAAAAAAAAAAAAAAAAAAAkUAAAAAQAAABQAAAAUAAAAFAAAAAEAAAAAAAAAZAAAAGQAAAAAAAAAZAAAAGQAAAAVAAAAYAAAAAAAAAAAAAAADwAAACADAAAAAAAAAAAAAAEAAACgMgAAVgcAAKr4//8BAAAAf39/AAEAAABkAAAAAAAAABQAAABAHwAAAAAAACYAAAAAAAAAwOD//wAAAAAmAAAAZAAAABYAAABMAAAAAAAAAAAAAAAEAAAAAAAAAAEAAACAgIAKAAAAACgAAAAoAAAAZAAAAGQAAAAAAAAAzMzMAAAAAABQAAAAUAAAAGQAAABkAAAAAAAAABcAAAAUAAAAAAAAAAAAAAD/fwAA/38AAAAAAAAJAAAABAAAAAAAAAAeAAAAaAAAAAAAAAAAAAAAAAAAAAAAAAAAAAAAECcAABAnAAAAAAAAAAAAAAAAAAAAAAAAAAAAAAAAAAAAAAAAAAAAABQAAAAAAAAAwMD/AAAAAABkAAAAMgAAAAAAAABkAAAAAAAAAH9/fwAKAAAAIgAAABgAAAAAAAAAAAAAAAAAAAAAAAAAAAAAAAAAAAAkAAAAJAAAAAAAAAAHAAAAAAAAAAAAAAAAAAAAAAAAAAAAAAAAAAAAf39/ACUAAABYAAAAAAAAAAAAAAAAAAAAAAAAAAAAAAAAAAAAAAAAAAAAAAAAAAAAAAAAAAAAAAA/AAAAAAAAAKCGAQAAAAAAAAAAAAAAAAAMAAAAAQAAAAAAAAAAAAAAAAAAAB8AAABUAAAAAAAABQAAAAEAAAAAAAAAAAAAAAAAAAAAAAAAAAAAAAAAAAAAAAAAAAAAAAJ/f38AAAAAA8zMzADAwP8Af39/AAAAAAAAAAAAAAAAAAAAAAAAAAAAIQAAABgAAAAUAAAAYDYAALABAABARwAAsCUAABAAAAAmAAAACAAAAIMAAAAAAAAAMAAAABQAAAAAAAAAAAD//wAAAQAAAP//AAABAA=="/>
+                <pr:smNativeData xmlns:pr="smNativeData" xmlns="smNativeData" val="SMDATA_16_D/2gZxMAAAAlAAAAZAAAAA8BAAAAkAAAAEgAAACQAAAASAAAAAAAAAACAAAAAQAAAAEAAABQAAAAAAAAAAAA4D8AAAAAAADgPwAAAAAAAOA/AAAAAAAA4D8AAAAAAADgPwAAAAAAAOA/AAAAAAAA4D8AAAAAAADgPwAAAAAAAOA/AAAAAAAA4D8CAAAAjAAAAAAAAAAAAAAAu+DjDP///wgAAAAAAAAAAAAAAAAAAAAAAAAAAAAAAAAAAAAAZAAAAAEAAABAAAAAAAAAAAAAAAAAAAAAAAAAAAAAAAAAAAAAAAAAAAAAAAAAAAAAAAAAAAAAAAAAAAAAAAAAAAAAAAAAAAAAAAAAAAAAAAAAAAAAAAAAAAAAAAAAAAAAFAAAADwAAAAAAAAAAAAAAAAAAAkUAAAAAQAAABQAAAAUAAAAFAAAAAEAAAAAAAAAZAAAAGQAAAAAAAAAZAAAAGQAAAAVAAAAYAAAAAAAAAAAAAAADwAAACADAAAAAAAAAAAAAAEAAACgMgAAVgcAAKr4//8BAAAAf39/AAEAAABkAAAAAAAAABQAAABAHwAAAAAAACYAAAAAAAAAwOD//wAAAAAmAAAAZAAAABYAAABMAAAAAAAAAAAAAAAEAAAAAAAAAAEAAACAgIAKAAAAACgAAAAoAAAAZAAAAGQAAAAAAAAAzMzMAAAAAABQAAAAUAAAAGQAAABkAAAAAAAAABcAAAAUAAAAAAAAAAAAAAD/fwAA/38AAAAAAAAJAAAABAAAAAAAAAAeAAAAaAAAAAAAAAAAAAAAAAAAAAAAAAAAAAAAECcAABAnAAAAAAAAAAAAAAAAAAAAAAAAAAAAAAAAAAAAAAAAAAAAABQAAAAAAAAAwMD/AAAAAABkAAAAMgAAAAAAAABkAAAAAAAAAH9/fwAKAAAAIgAAABgAAAAAAAAAAAAAAAAAAAAAAAAAAAAAAAAAAAAkAAAAJAAAAAAAAAAHAAAAAAAAAAAAAAAAAAAAAAAAAAAAAAAAAAAAf39/ACUAAABYAAAAAAAAAAAAAAAAAAAAAAAAAAAAAAAAAAAAAAAAAAAAAAAAAAAAAAAAAAAAAAA/AAAAAAAAAKCGAQAAAAAAAAAAAAAAAAAMAAAAAQAAAAAAAAAAAAAAAAAAAB8AAABUAAAAAAAABQAAAAEAAAAAAAAAAAAAAAAAAAAAAAAAAAAAAAAAAAAAAAAAAAAAAAJ/f38AAAAAA8zMzADAwP8Af39/AAAAAAAAAAAAAAAAAAAAAAAAAAAAIQAAABgAAAAUAAAAYDYAALABAABARwAAsCUAABAAAAAmAAAACAAAAIMAAAAAAAAAMAAAABQAAAAAAAAAAAD//wAAAQAAAP//AAABAA=="/>
               </a:ext>
             </a:extLst>
           </p:cNvSpPr>
@@ -663,7 +663,7 @@
             <a:spLocks noGrp="1" noChangeArrowheads="1"/>
             <a:extLst>
               <a:ext uri="smNativeData">
-                <pr:smNativeData xmlns:pr="smNativeData" xmlns="smNativeData" val="SMDATA_16_yvWgZxMAAAAlAAAAZAAAAA8BAAAAkAAAAEgAAACQAAAASAAAAAAAAAAAAAAAAQAAAAEAAABQAAAAAAAAAAAA4D8AAAAAAADgPwAAAAAAAOA/AAAAAAAA4D8AAAAAAADgPwAAAAAAAOA/AAAAAAAA4D8AAAAAAADgPwAAAAAAAOA/AAAAAAAA4D8CAAAAjAAAAAAAAAAAAAAAu+DjDP///wgAAAAAAAAAAAAAAAAAAAAAAAAAAAAAAAAAAAAAZAAAAAEAAABAAAAAAAAAAAAAAAAAAAAAAAAAAAAAAAAAAAAAAAAAAAAAAAAAAAAAAAAAAAAAAAAAAAAAAAAAAAAAAAAAAAAAAAAAAAAAAAAAAAAAAAAAAAAAAAAAAAAAFAAAADwAAAAAAAAAAAAAAAAAAAkUAAAAAQAAABQAAAAUAAAAFAAAAAEAAAAAAAAAZAAAAGQAAAAAAAAAZAAAAGQAAAAVAAAAYAAAAAAAAAAAAAAADwAAACADAAAAAAAAAAAAAAEAAACgMgAAVgcAAKr4//8BAAAAf39/AAEAAABkAAAAAAAAABQAAABAHwAAAAAAACYAAAAAAAAAwOD//wAAAAAmAAAAZAAAABYAAABMAAAAAAAAAAAAAAAEAAAAAAAAAAEAAACAgIAKAAAAACgAAAAoAAAAZAAAAGQAAAAAAAAAzMzMAAAAAABQAAAAUAAAAGQAAABkAAAAAAAAABcAAAAUAAAAAAAAAAAAAAD/fwAA/38AAAAAAAAJAAAABAAAAAAAAAAeAAAAaAAAAAAAAAAAAAAAAAAAAAAAAAAAAAAAECcAABAnAAAAAAAAAAAAAAAAAAAAAAAAAAAAAAAAAAAAAAAAAAAAABQAAAAAAAAAwMD/AAAAAABkAAAAMgAAAAAAAABkAAAAAAAAAH9/fwAKAAAAIgAAABgAAAAAAAAAAAAAAAAAAAAAAAAAAAAAAAAAAAAkAAAAJAAAAAAAAAAHAAAAAAAAAAAAAAAAAAAAAAAAAAAAAAAAAAAAf39/ACUAAABYAAAAAAAAAAAAAAAAAAAAAAAAAAAAAAAAAAAAAAAAAAAAAAAAAAAAAAAAAAAAAAA/AAAAAAAAAKCGAQAAAAAAAAAAAAAAAAAMAAAAAQAAAAAAAAAAAAAAAAAAAB8AAABUAAAAAAAABQAAAAEAAAAAAAAAAAAAAAAAAAAAAAAAAAAAAAAAAAAAAAAAAAAAAAJ/f38AAAAAA8zMzADAwP8Af39/AAAAAAAAAAAAAAAAAAAAAAAAAAAAIQAAABgAAAAUAAAAwAMAALABAAAfNQAAsCUAABAAAAAmAAAACAAAAAMAAAAAAAAAMAAAABQAAAAAAAAAAAD//wAAAQAAAP//AAABAA=="/>
+                <pr:smNativeData xmlns:pr="smNativeData" xmlns="smNativeData" val="SMDATA_16_D/2gZxMAAAAlAAAAZAAAAA8BAAAAkAAAAEgAAACQAAAASAAAAAAAAAAAAAAAAQAAAAEAAABQAAAAAAAAAAAA4D8AAAAAAADgPwAAAAAAAOA/AAAAAAAA4D8AAAAAAADgPwAAAAAAAOA/AAAAAAAA4D8AAAAAAADgPwAAAAAAAOA/AAAAAAAA4D8CAAAAjAAAAAAAAAAAAAAAu+DjDP///wgAAAAAAAAAAAAAAAAAAAAAAAAAAAAAAAAAAAAAZAAAAAEAAABAAAAAAAAAAAAAAAAAAAAAAAAAAAAAAAAAAAAAAAAAAAAAAAAAAAAAAAAAAAAAAAAAAAAAAAAAAAAAAAAAAAAAAAAAAAAAAAAAAAAAAAAAAAAAAAAAAAAAFAAAADwAAAAAAAAAAAAAAAAAAAkUAAAAAQAAABQAAAAUAAAAFAAAAAEAAAAAAAAAZAAAAGQAAAAAAAAAZAAAAGQAAAAVAAAAYAAAAAAAAAAAAAAADwAAACADAAAAAAAAAAAAAAEAAACgMgAAVgcAAKr4//8BAAAAf39/AAEAAABkAAAAAAAAABQAAABAHwAAAAAAACYAAAAAAAAAwOD//wAAAAAmAAAAZAAAABYAAABMAAAAAAAAAAAAAAAEAAAAAAAAAAEAAACAgIAKAAAAACgAAAAoAAAAZAAAAGQAAAAAAAAAzMzMAAAAAABQAAAAUAAAAGQAAABkAAAAAAAAABcAAAAUAAAAAAAAAAAAAAD/fwAA/38AAAAAAAAJAAAABAAAAAAAAAAeAAAAaAAAAAAAAAAAAAAAAAAAAAAAAAAAAAAAECcAABAnAAAAAAAAAAAAAAAAAAAAAAAAAAAAAAAAAAAAAAAAAAAAABQAAAAAAAAAwMD/AAAAAABkAAAAMgAAAAAAAABkAAAAAAAAAH9/fwAKAAAAIgAAABgAAAAAAAAAAAAAAAAAAAAAAAAAAAAAAAAAAAAkAAAAJAAAAAAAAAAHAAAAAAAAAAAAAAAAAAAAAAAAAAAAAAAAAAAAf39/ACUAAABYAAAAAAAAAAAAAAAAAAAAAAAAAAAAAAAAAAAAAAAAAAAAAAAAAAAAAAAAAAAAAAA/AAAAAAAAAKCGAQAAAAAAAAAAAAAAAAAMAAAAAQAAAAAAAAAAAAAAAAAAAB8AAABUAAAAAAAABQAAAAEAAAAAAAAAAAAAAAAAAAAAAAAAAAAAAAAAAAAAAAAAAAAAAAJ/f38AAAAAA8zMzADAwP8Af39/AAAAAAAAAAAAAAAAAAAAAAAAAAAAIQAAABgAAAAUAAAAwAMAALABAAAfNQAAsCUAABAAAAAmAAAACAAAAAMAAAAAAAAAMAAAABQAAAAAAAAAAAD//wAAAQAAAP//AAABAA=="/>
               </a:ext>
             </a:extLst>
           </p:cNvSpPr>
@@ -723,7 +723,7 @@
             <a:spLocks noGrp="1" noChangeArrowheads="1"/>
             <a:extLst>
               <a:ext uri="smNativeData">
-                <pr:smNativeData xmlns:pr="smNativeData" xmlns="smNativeData" val="SMDATA_16_yvWgZxMAAAAlAAAAZAAAAA8BAAAAkAAAAEgAAACQAAAASAAAAAAAAAABAAAAAAAAAAEAAABQAAAAAAAAAAAA4D8AAAAAAADgPwAAAAAAAOA/AAAAAAAA4D8AAAAAAADgPwAAAAAAAOA/AAAAAAAA4D8AAAAAAADgPwAAAAAAAOA/AAAAAAAA4D8CAAAAjAAAAAAAAAAAAAAAu+DjDP///wgAAAAAAAAAAAAAAAAAAAAAAAAAAAAAAAAAAAAAZAAAAAEAAABAAAAAAAAAAAAAAAAAAAAAAAAAAAAAAAAAAAAAAAAAAAAAAAAAAAAAAAAAAAAAAAAAAAAAAAAAAAAAAAAAAAAAAAAAAAAAAAAAAAAAAAAAAAAAAAAAAAAAFAAAADwAAAAAAAAAAAAAAAAAAAkUAAAAAQAAABQAAAAUAAAAFAAAAAEAAAAAAAAAZAAAAGQAAAAAAAAAZAAAAGQAAAAVAAAAYAAAAAAAAAAAAAAADwAAACADAAAAAAAAAAAAAAEAAACgMgAAVgcAAKr4//8BAAAAf39/AAEAAABkAAAAAAAAABQAAABAHwAAAAAAACYAAAAAAAAAwOD//wAAAAAmAAAAZAAAABYAAABMAAAAAAAAAAAAAAAEAAAAAAAAAAEAAACAgIAKAAAAACgAAAAoAAAAZAAAAGQAAAAAAAAAzMzMAAAAAABQAAAAUAAAAGQAAABkAAAAAAAAABcAAAAUAAAAAAAAAAAAAAD/fwAA/38AAAAAAAAJAAAABAAAAAAAAAAeAAAAaAAAAAAAAAAAAAAAAAAAAAAAAAAAAAAAECcAABAnAAAAAAAAAAAAAAAAAAAAAAAAAAAAAAAAAAAAAAAAAAAAABQAAAAAAAAAwMD/AAAAAABkAAAAMgAAAAAAAABkAAAAAAAAAH9/fwAKAAAAIgAAABgAAAAAAAAAAAAAAAAAAAAAAAAAAAAAAAAAAAAkAAAAJAAAAAAAAAAHAAAAAAAAAAAAAAAAAAAAAAAAAAAAAAAAAAAAf39/ACUAAABYAAAAAAAAAAAAAAAAAAAAAAAAAAAAAAAAAAAAAAAAAAAAAAAAAAAAAAAAAAAAAAA/AAAAAAAAAKCGAQAAAAAAAAAAAAAAAAAMAAAAAQAAAAAAAAAAAAAAAAAAAB8AAABUAAAAAAAABQAAAAEAAAAAAAAAAAAAAAAAAAAAAAAAAAAAAAAAAAAAAAAAAAAAAAJ/f38AAAAAA8zMzADAwP8Af39/AAAAAAAAAAAAAAAAAAAAAAAAAAAAIQAAABgAAAAUAAAAwAMAABsnAAA/FQAAWSkAABAAAAAmAAAACAAAAAAAAAAAAAAAMAAAABQAAAAAAAAAAAD//wAAAQAAAP//AAABAA=="/>
+                <pr:smNativeData xmlns:pr="smNativeData" xmlns="smNativeData" val="SMDATA_16_D/2gZxMAAAAlAAAAZAAAAA8BAAAAkAAAAEgAAACQAAAASAAAAAAAAAABAAAAAAAAAAEAAABQAAAAAAAAAAAA4D8AAAAAAADgPwAAAAAAAOA/AAAAAAAA4D8AAAAAAADgPwAAAAAAAOA/AAAAAAAA4D8AAAAAAADgPwAAAAAAAOA/AAAAAAAA4D8CAAAAjAAAAAAAAAAAAAAAu+DjDP///wgAAAAAAAAAAAAAAAAAAAAAAAAAAAAAAAAAAAAAZAAAAAEAAABAAAAAAAAAAAAAAAAAAAAAAAAAAAAAAAAAAAAAAAAAAAAAAAAAAAAAAAAAAAAAAAAAAAAAAAAAAAAAAAAAAAAAAAAAAAAAAAAAAAAAAAAAAAAAAAAAAAAAFAAAADwAAAAAAAAAAAAAAAAAAAkUAAAAAQAAABQAAAAUAAAAFAAAAAEAAAAAAAAAZAAAAGQAAAAAAAAAZAAAAGQAAAAVAAAAYAAAAAAAAAAAAAAADwAAACADAAAAAAAAAAAAAAEAAACgMgAAVgcAAKr4//8BAAAAf39/AAEAAABkAAAAAAAAABQAAABAHwAAAAAAACYAAAAAAAAAwOD//wAAAAAmAAAAZAAAABYAAABMAAAAAAAAAAAAAAAEAAAAAAAAAAEAAACAgIAKAAAAACgAAAAoAAAAZAAAAGQAAAAAAAAAzMzMAAAAAABQAAAAUAAAAGQAAABkAAAAAAAAABcAAAAUAAAAAAAAAAAAAAD/fwAA/38AAAAAAAAJAAAABAAAAAAAAAAeAAAAaAAAAAAAAAAAAAAAAAAAAAAAAAAAAAAAECcAABAnAAAAAAAAAAAAAAAAAAAAAAAAAAAAAAAAAAAAAAAAAAAAABQAAAAAAAAAwMD/AAAAAABkAAAAMgAAAAAAAABkAAAAAAAAAH9/fwAKAAAAIgAAABgAAAAAAAAAAAAAAAAAAAAAAAAAAAAAAAAAAAAkAAAAJAAAAAAAAAAHAAAAAAAAAAAAAAAAAAAAAAAAAAAAAAAAAAAAf39/ACUAAABYAAAAAAAAAAAAAAAAAAAAAAAAAAAAAAAAAAAAAAAAAAAAAAAAAAAAAAAAAAAAAAA/AAAAAAAAAKCGAQAAAAAAAAAAAAAAAAAMAAAAAQAAAAAAAAAAAAAAAAAAAB8AAABUAAAAAAAABQAAAAEAAAAAAAAAAAAAAAAAAAAAAAAAAAAAAAAAAAAAAAAAAAAAAAJ/f38AAAAAA8zMzADAwP8Af39/AAAAAAAAAAAAAAAAAAAAAAAAAAAAIQAAABgAAAAUAAAAwAMAABsnAAA/FQAAWSkAABAAAAAmAAAACAAAAAAAAAAAAAAAMAAAABQAAAAAAAAAAAD//wAAAQAAAP//AAABAA=="/>
               </a:ext>
             </a:extLst>
           </p:cNvSpPr>
@@ -737,7 +737,7 @@
           <a:lstStyle/>
           <a:p>
             <a:pPr/>
-            <a:fld id="{3D14690B-45D0-419F-9EAC-B3CA27E268E6}" type="datetime1">
+            <a:fld id="{3DF9F1E3-ADD0-AC07-9E41-5B52BF0F680E}" type="datetime1">
               <a:t/>
             </a:fld>
           </a:p>
@@ -750,7 +750,7 @@
             <a:spLocks noGrp="1" noChangeArrowheads="1"/>
             <a:extLst>
               <a:ext uri="smNativeData">
-                <pr:smNativeData xmlns:pr="smNativeData" xmlns="smNativeData" val="SMDATA_16_yvWgZxMAAAAlAAAAZAAAAA8BAAAAkAAAAEgAAACQAAAASAAAAAAAAAABAAAAAAAAAAEAAABQAAAAAAAAAAAA4D8AAAAAAADgPwAAAAAAAOA/AAAAAAAA4D8AAAAAAADgPwAAAAAAAOA/AAAAAAAA4D8AAAAAAADgPwAAAAAAAOA/AAAAAAAA4D8CAAAAjAAAAAAAAAAAAAAAu+DjDP///wgAAAAAAAAAAAAAAAAAAAAAAAAAAAAAAAAAAAAAZAAAAAEAAABAAAAAAAAAAAAAAAAAAAAAAAAAAAAAAAAAAAAAAAAAAAAAAAAAAAAAAAAAAAAAAAAAAAAAAAAAAAAAAAAAAAAAAAAAAAAAAAAAAAAAAAAAAAAAAAAAAAAAFAAAADwAAAAAAAAAAAAAAAAAAAkUAAAAAQAAABQAAAAUAAAAFAAAAAEAAAAAAAAAZAAAAGQAAAAAAAAAZAAAAGQAAAAVAAAAYAAAAAAAAAAAAAAADwAAACADAAAAAAAAAAAAAAEAAACgMgAAVgcAAKr4//8BAAAAf39/AAEAAABkAAAAAAAAABQAAABAHwAAAAAAACYAAAAAAAAAwOD//wAAAAAmAAAAZAAAABYAAABMAAAAAAAAAAAAAAAEAAAAAAAAAAEAAACAgIAKAAAAACgAAAAoAAAAZAAAAGQAAAAAAAAAzMzMAAAAAABQAAAAUAAAAGQAAABkAAAAAAAAABcAAAAUAAAAAAAAAAAAAAD/fwAA/38AAAAAAAAJAAAABAAAAAAAAAAeAAAAaAAAAAAAAAAAAAAAAAAAAAAAAAAAAAAAECcAABAnAAAAAAAAAAAAAAAAAAAAAAAAAAAAAAAAAAAAAAAAAAAAABQAAAAAAAAAwMD/AAAAAABkAAAAMgAAAAAAAABkAAAAAAAAAH9/fwAKAAAAIgAAABgAAAAAAAAAAAAAAAAAAAAAAAAAAAAAAAAAAAAkAAAAJAAAAAAAAAAHAAAAAAAAAAAAAAAAAAAAAAAAAAAAAAAAAAAAf39/ACUAAABYAAAAAAAAAAAAAAAAAAAAAAAAAAAAAAAAAAAAAAAAAAAAAAAAAAAAAAAAAAAAAAA/AAAAAAAAAKCGAQAAAAAAAAAAAAAAAAAMAAAAAQAAAAAAAAAAAAAAAAAAAB8AAABUAAAAAAAABQAAAAEAAAAAAAAAAAAAAAAAAAAAAAAAAAAAAAAAAAAAAAAAAAAAAAJ/f38AAAAAA8zMzADAwP8Af39/AAAAAAAAAAAAAAAAAAAAAAAAAAAAIQAAABgAAAAUAAAAoRkAABsnAABfMQAAWSkAABAAAAAmAAAACAAAAAAAAAAAAAAAMAAAABQAAAAAAAAAAAD//wAAAQAAAP//AAABAA=="/>
+                <pr:smNativeData xmlns:pr="smNativeData" xmlns="smNativeData" val="SMDATA_16_D/2gZxMAAAAlAAAAZAAAAA8BAAAAkAAAAEgAAACQAAAASAAAAAAAAAABAAAAAAAAAAEAAABQAAAAAAAAAAAA4D8AAAAAAADgPwAAAAAAAOA/AAAAAAAA4D8AAAAAAADgPwAAAAAAAOA/AAAAAAAA4D8AAAAAAADgPwAAAAAAAOA/AAAAAAAA4D8CAAAAjAAAAAAAAAAAAAAAu+DjDP///wgAAAAAAAAAAAAAAAAAAAAAAAAAAAAAAAAAAAAAZAAAAAEAAABAAAAAAAAAAAAAAAAAAAAAAAAAAAAAAAAAAAAAAAAAAAAAAAAAAAAAAAAAAAAAAAAAAAAAAAAAAAAAAAAAAAAAAAAAAAAAAAAAAAAAAAAAAAAAAAAAAAAAFAAAADwAAAAAAAAAAAAAAAAAAAkUAAAAAQAAABQAAAAUAAAAFAAAAAEAAAAAAAAAZAAAAGQAAAAAAAAAZAAAAGQAAAAVAAAAYAAAAAAAAAAAAAAADwAAACADAAAAAAAAAAAAAAEAAACgMgAAVgcAAKr4//8BAAAAf39/AAEAAABkAAAAAAAAABQAAABAHwAAAAAAACYAAAAAAAAAwOD//wAAAAAmAAAAZAAAABYAAABMAAAAAAAAAAAAAAAEAAAAAAAAAAEAAACAgIAKAAAAACgAAAAoAAAAZAAAAGQAAAAAAAAAzMzMAAAAAABQAAAAUAAAAGQAAABkAAAAAAAAABcAAAAUAAAAAAAAAAAAAAD/fwAA/38AAAAAAAAJAAAABAAAAAAAAAAeAAAAaAAAAAAAAAAAAAAAAAAAAAAAAAAAAAAAECcAABAnAAAAAAAAAAAAAAAAAAAAAAAAAAAAAAAAAAAAAAAAAAAAABQAAAAAAAAAwMD/AAAAAABkAAAAMgAAAAAAAABkAAAAAAAAAH9/fwAKAAAAIgAAABgAAAAAAAAAAAAAAAAAAAAAAAAAAAAAAAAAAAAkAAAAJAAAAAAAAAAHAAAAAAAAAAAAAAAAAAAAAAAAAAAAAAAAAAAAf39/ACUAAABYAAAAAAAAAAAAAAAAAAAAAAAAAAAAAAAAAAAAAAAAAAAAAAAAAAAAAAAAAAAAAAA/AAAAAAAAAKCGAQAAAAAAAAAAAAAAAAAMAAAAAQAAAAAAAAAAAAAAAAAAAB8AAABUAAAAAAAABQAAAAEAAAAAAAAAAAAAAAAAAAAAAAAAAAAAAAAAAAAAAAAAAAAAAAJ/f38AAAAAA8zMzADAwP8Af39/AAAAAAAAAAAAAAAAAAAAAAAAAAAAIQAAABgAAAAUAAAAoRkAABsnAABfMQAAWSkAABAAAAAmAAAACAAAAAAAAAAAAAAAMAAAABQAAAAAAAAAAAD//wAAAQAAAP//AAABAA=="/>
               </a:ext>
             </a:extLst>
           </p:cNvSpPr>
@@ -774,7 +774,7 @@
             <a:spLocks noGrp="1" noChangeArrowheads="1"/>
             <a:extLst>
               <a:ext uri="smNativeData">
-                <pr:smNativeData xmlns:pr="smNativeData" xmlns="smNativeData" val="SMDATA_16_yvWgZxMAAAAlAAAAZAAAAA8BAAAAkAAAAEgAAACQAAAASAAAAAAAAAABAAAAAAAAAAEAAABQAAAAAAAAAAAA4D8AAAAAAADgPwAAAAAAAOA/AAAAAAAA4D8AAAAAAADgPwAAAAAAAOA/AAAAAAAA4D8AAAAAAADgPwAAAAAAAOA/AAAAAAAA4D8CAAAAjAAAAAAAAAAAAAAAu+DjDP///wgAAAAAAAAAAAAAAAAAAAAAAAAAAAAAAAAAAAAAZAAAAAEAAABAAAAAAAAAAAAAAAAAAAAAAAAAAAAAAAAAAAAAAAAAAAAAAAAAAAAAAAAAAAAAAAAAAAAAAAAAAAAAAAAAAAAAAAAAAAAAAAAAAAAAAAAAAAAAAAAAAAAAFAAAADwAAAAAAAAAAAAAAAAAAAkUAAAAAQAAABQAAAAUAAAAFAAAAAEAAAAAAAAAZAAAAGQAAAAAAAAAZAAAAGQAAAAVAAAAYAAAAAAAAAAAAAAADwAAACADAAAAAAAAAAAAAAEAAACgMgAAVgcAAKr4//8BAAAAf39/AAEAAABkAAAAAAAAABQAAABAHwAAAAAAACYAAAAAAAAAwOD//wAAAAAmAAAAZAAAABYAAABMAAAAAAAAAAAAAAAEAAAAAAAAAAEAAACAgIAKAAAAACgAAAAoAAAAZAAAAGQAAAAAAAAAzMzMAAAAAABQAAAAUAAAAGQAAABkAAAAAAAAABcAAAAUAAAAAAAAAAAAAAD/fwAA/38AAAAAAAAJAAAABAAAAAAAAAAeAAAAaAAAAAAAAAAAAAAAAAAAAAAAAAAAAAAAECcAABAnAAAAAAAAAAAAAAAAAAAAAAAAAAAAAAAAAAAAAAAAAAAAABQAAAAAAAAAwMD/AAAAAABkAAAAMgAAAAAAAABkAAAAAAAAAH9/fwAKAAAAIgAAABgAAAAAAAAAAAAAAAAAAAAAAAAAAAAAAAAAAAAkAAAAJAAAAAAAAAAHAAAAAAAAAAAAAAAAAAAAAAAAAAAAAAAAAAAAf39/ACUAAABYAAAAAAAAAAAAAAAAAAAAAAAAAAAAAAAAAAAAAAAAAAAAAAAAAAAAAAAAAAAAAAA/AAAAAAAAAKCGAQAAAAAAAAAAAAAAAAAMAAAAAQAAAAAAAAAAAAAAAAAAAB8AAABUAAAAAAAABQAAAAEAAAAAAAAAAAAAAAAAAAAAAAAAAAAAAAAAAAAAAAAAAAAAAAJ/f38AAAAAA8zMzADAwP8Af39/AAAAAAAAAAAAAAAAAAAAAAAAAAAAIQAAABgAAAAUAAAAwTUAABsnAABARwAAWSkAABAAAAAmAAAACAAAAAAAAAAAAAAAMAAAABQAAAAAAAAAAAD//wAAAQAAAP//AAABAA=="/>
+                <pr:smNativeData xmlns:pr="smNativeData" xmlns="smNativeData" val="SMDATA_16_D/2gZxMAAAAlAAAAZAAAAA8BAAAAkAAAAEgAAACQAAAASAAAAAAAAAABAAAAAAAAAAEAAABQAAAAAAAAAAAA4D8AAAAAAADgPwAAAAAAAOA/AAAAAAAA4D8AAAAAAADgPwAAAAAAAOA/AAAAAAAA4D8AAAAAAADgPwAAAAAAAOA/AAAAAAAA4D8CAAAAjAAAAAAAAAAAAAAAu+DjDP///wgAAAAAAAAAAAAAAAAAAAAAAAAAAAAAAAAAAAAAZAAAAAEAAABAAAAAAAAAAAAAAAAAAAAAAAAAAAAAAAAAAAAAAAAAAAAAAAAAAAAAAAAAAAAAAAAAAAAAAAAAAAAAAAAAAAAAAAAAAAAAAAAAAAAAAAAAAAAAAAAAAAAAFAAAADwAAAAAAAAAAAAAAAAAAAkUAAAAAQAAABQAAAAUAAAAFAAAAAEAAAAAAAAAZAAAAGQAAAAAAAAAZAAAAGQAAAAVAAAAYAAAAAAAAAAAAAAADwAAACADAAAAAAAAAAAAAAEAAACgMgAAVgcAAKr4//8BAAAAf39/AAEAAABkAAAAAAAAABQAAABAHwAAAAAAACYAAAAAAAAAwOD//wAAAAAmAAAAZAAAABYAAABMAAAAAAAAAAAAAAAEAAAAAAAAAAEAAACAgIAKAAAAACgAAAAoAAAAZAAAAGQAAAAAAAAAzMzMAAAAAABQAAAAUAAAAGQAAABkAAAAAAAAABcAAAAUAAAAAAAAAAAAAAD/fwAA/38AAAAAAAAJAAAABAAAAAAAAAAeAAAAaAAAAAAAAAAAAAAAAAAAAAAAAAAAAAAAECcAABAnAAAAAAAAAAAAAAAAAAAAAAAAAAAAAAAAAAAAAAAAAAAAABQAAAAAAAAAwMD/AAAAAABkAAAAMgAAAAAAAABkAAAAAAAAAH9/fwAKAAAAIgAAABgAAAAAAAAAAAAAAAAAAAAAAAAAAAAAAAAAAAAkAAAAJAAAAAAAAAAHAAAAAAAAAAAAAAAAAAAAAAAAAAAAAAAAAAAAf39/ACUAAABYAAAAAAAAAAAAAAAAAAAAAAAAAAAAAAAAAAAAAAAAAAAAAAAAAAAAAAAAAAAAAAA/AAAAAAAAAKCGAQAAAAAAAAAAAAAAAAAMAAAAAQAAAAAAAAAAAAAAAAAAAB8AAABUAAAAAAAABQAAAAEAAAAAAAAAAAAAAAAAAAAAAAAAAAAAAAAAAAAAAAAAAAAAAAJ/f38AAAAAA8zMzADAwP8Af39/AAAAAAAAAAAAAAAAAAAAAAAAAAAAIQAAABgAAAAUAAAAwTUAABsnAABARwAAWSkAABAAAAAmAAAACAAAAAAAAAAAAAAAMAAAABQAAAAAAAAAAAD//wAAAQAAAP//AAABAA=="/>
               </a:ext>
             </a:extLst>
           </p:cNvSpPr>
@@ -788,7 +788,7 @@
           <a:lstStyle/>
           <a:p>
             <a:pPr/>
-            <a:fld id="{3D142EA8-E6D0-41D8-9EAC-108D60E26845}" type="slidenum">
+            <a:fld id="{3DF98CB3-FDD0-AC7A-9E41-0B2FC20F685E}" type="slidenum">
               <a:t/>
             </a:fld>
           </a:p>
@@ -827,7 +827,7 @@
             <a:spLocks noGrp="1" noChangeArrowheads="1"/>
             <a:extLst>
               <a:ext uri="smNativeData">
-                <pr:smNativeData xmlns:pr="smNativeData" xmlns="smNativeData" val="SMDATA_16_yvWgZxMAAAAlAAAAZAAAAA8BAAAAkAAAAEgAAACQAAAASAAAAAAAAAABAAAAAAAAAAEAAABQAAAAAAAAAAAA4D8AAAAAAADgPwAAAAAAAOA/AAAAAAAA4D8AAAAAAADgPwAAAAAAAOA/AAAAAAAA4D8AAAAAAADgPwAAAAAAAOA/AAAAAAAA4D8CAAAAjAAAAAAAAAAAAAAAu+DjDP///wgAAAAAAAAAAAAAAAAAAAAAAAAAAAAAAAAAAAAAZAAAAAEAAABAAAAAAAAAAAAAAAAAAAAAAAAAAAAAAAAAAAAAAAAAAAAAAAAAAAAAAAAAAAAAAAAAAAAAAAAAAAAAAAAAAAAAAAAAAAAAAAAAAAAAAAAAAAAAAAAAAAAAFAAAADwAAAAAAAAAAAAAAAAAAAkUAAAAAQAAABQAAAAUAAAAFAAAAAEAAAAAAAAAZAAAAGQAAAAAAAAAZAAAAGQAAAAVAAAAYAAAAAAAAAAAAAAADwAAACADAAAAAAAAAAAAAAEAAACgMgAAVgcAAKr4//8BAAAAf39/AAEAAABkAAAAAAAAABQAAABAHwAAAAAAACYAAAAAAAAAwOD//wAAAAAmAAAAZAAAABYAAABMAAAAAAAAAAAAAAAEAAAAAAAAAAEAAACAgIAKAAAAACgAAAAoAAAAZAAAAGQAAAAAAAAAzMzMAAAAAABQAAAAUAAAAGQAAABkAAAAAAAAABcAAAAUAAAAAAAAAAAAAAD/fwAA/38AAAAAAAAJAAAABAAAAAAAAAAeAAAAaAAAAAAAAAAAAAAAAAAAAAAAAAAAAAAAECcAABAnAAAAAAAAAAAAAAAAAAAAAAAAAAAAAAAAAAAAAAAAAAAAABQAAAAAAAAAwMD/AAAAAABkAAAAMgAAAAAAAABkAAAAAAAAAH9/fwAKAAAAIgAAABgAAAAAAAAAAAAAAAAAAAAAAAAAAAAAAAAAAAAkAAAAJAAAAAAAAAAHAAAAAAAAAAAAAAAAAAAAAAAAAAAAAAAAAAAAf39/ACUAAABYAAAAAAAAAAAAAAAAAAAAAAAAAAAAAAAAAAAAAAAAAAAAAAAAAAAAAAAAAAAAAAA/AAAAAAAAAKCGAQAAAAAAAAAAAAAAAAAMAAAAAQAAAAAAAAAAAAAAAAAAAB8AAABUAAAAAAAABQAAAAEAAAAAAAAAAAAAAAAAAAAAAAAAAAAAAAAAAAAAAAAAAAAAAAJ/f38AAAAAA8zMzADAwP8Af39/AAAAAAAAAAAAAAAAAAAAAAAAAAAAIQAAABgAAAAUAAAAwAMAALABAABARwAAuAgAABAAAAAmAAAACAAAAAAAAAAAAAAAMAAAABQAAAAAAAAAAAD//wAAAQAAAP//AAABAA=="/>
+                <pr:smNativeData xmlns:pr="smNativeData" xmlns="smNativeData" val="SMDATA_16_D/2gZxMAAAAlAAAAZAAAAA8BAAAAkAAAAEgAAACQAAAASAAAAAAAAAABAAAAAAAAAAEAAABQAAAAAAAAAAAA4D8AAAAAAADgPwAAAAAAAOA/AAAAAAAA4D8AAAAAAADgPwAAAAAAAOA/AAAAAAAA4D8AAAAAAADgPwAAAAAAAOA/AAAAAAAA4D8CAAAAjAAAAAAAAAAAAAAAu+DjDP///wgAAAAAAAAAAAAAAAAAAAAAAAAAAAAAAAAAAAAAZAAAAAEAAABAAAAAAAAAAAAAAAAAAAAAAAAAAAAAAAAAAAAAAAAAAAAAAAAAAAAAAAAAAAAAAAAAAAAAAAAAAAAAAAAAAAAAAAAAAAAAAAAAAAAAAAAAAAAAAAAAAAAAFAAAADwAAAAAAAAAAAAAAAAAAAkUAAAAAQAAABQAAAAUAAAAFAAAAAEAAAAAAAAAZAAAAGQAAAAAAAAAZAAAAGQAAAAVAAAAYAAAAAAAAAAAAAAADwAAACADAAAAAAAAAAAAAAEAAACgMgAAVgcAAKr4//8BAAAAf39/AAEAAABkAAAAAAAAABQAAABAHwAAAAAAACYAAAAAAAAAwOD//wAAAAAmAAAAZAAAABYAAABMAAAAAAAAAAAAAAAEAAAAAAAAAAEAAACAgIAKAAAAACgAAAAoAAAAZAAAAGQAAAAAAAAAzMzMAAAAAABQAAAAUAAAAGQAAABkAAAAAAAAABcAAAAUAAAAAAAAAAAAAAD/fwAA/38AAAAAAAAJAAAABAAAAAAAAAAeAAAAaAAAAAAAAAAAAAAAAAAAAAAAAAAAAAAAECcAABAnAAAAAAAAAAAAAAAAAAAAAAAAAAAAAAAAAAAAAAAAAAAAABQAAAAAAAAAwMD/AAAAAABkAAAAMgAAAAAAAABkAAAAAAAAAH9/fwAKAAAAIgAAABgAAAAAAAAAAAAAAAAAAAAAAAAAAAAAAAAAAAAkAAAAJAAAAAAAAAAHAAAAAAAAAAAAAAAAAAAAAAAAAAAAAAAAAAAAf39/ACUAAABYAAAAAAAAAAAAAAAAAAAAAAAAAAAAAAAAAAAAAAAAAAAAAAAAAAAAAAAAAAAAAAA/AAAAAAAAAKCGAQAAAAAAAAAAAAAAAAAMAAAAAQAAAAAAAAAAAAAAAAAAAB8AAABUAAAAAAAABQAAAAEAAAAAAAAAAAAAAAAAAAAAAAAAAAAAAAAAAAAAAAAAAAAAAAJ/f38AAAAAA8zMzADAwP8Af39/AAAAAAAAAAAAAAAAAAAAAAAAAAAAIQAAABgAAAAUAAAAwAMAALABAABARwAAuAgAABAAAAAmAAAACAAAAAAAAAAAAAAAMAAAABQAAAAAAAAAAAD//wAAAQAAAP//AAABAA=="/>
               </a:ext>
             </a:extLst>
           </p:cNvSpPr>
@@ -854,7 +854,7 @@
             <a:spLocks noGrp="1" noChangeArrowheads="1"/>
             <a:extLst>
               <a:ext uri="smNativeData">
-                <pr:smNativeData xmlns:pr="smNativeData" xmlns="smNativeData" val="SMDATA_16_yvWgZxMAAAAlAAAAZAAAAA8BAAAAkAAAAEgAAACQAAAASAAAAAAAAAAAAAAAAAAAAAEAAABQAAAAAAAAAAAA4D8AAAAAAADgPwAAAAAAAOA/AAAAAAAA4D8AAAAAAADgPwAAAAAAAOA/AAAAAAAA4D8AAAAAAADgPwAAAAAAAOA/AAAAAAAA4D8CAAAAjAAAAAAAAAAAAAAAu+DjDP///wgAAAAAAAAAAAAAAAAAAAAAAAAAAAAAAAAAAAAAZAAAAAEAAABAAAAAAAAAAAAAAAAAAAAAAAAAAAAAAAAAAAAAAAAAAAAAAAAAAAAAAAAAAAAAAAAAAAAAAAAAAAAAAAAAAAAAAAAAAAAAAAAAAAAAAAAAAAAAAAAAAAAAFAAAADwAAAAAAAAAAAAAAAAAAAkUAAAAAQAAABQAAAAUAAAAFAAAAAEAAAAAAAAAZAAAAGQAAAAAAAAAZAAAAGQAAAAVAAAAYAAAAAAAAAAAAAAADwAAACADAAAAAAAAAAAAAAEAAACgMgAAVgcAAKr4//8BAAAAf39/AAEAAABkAAAAAAAAABQAAABAHwAAAAAAACYAAAAAAAAAwOD//wAAAAAmAAAAZAAAABYAAABMAAAAAAAAAAAAAAAEAAAAAAAAAAEAAACAgIAKAAAAACgAAAAoAAAAZAAAAGQAAAAAAAAAzMzMAAAAAABQAAAAUAAAAGQAAABkAAAAAAAAABcAAAAUAAAAAAAAAAAAAAD/fwAA/38AAAAAAAAJAAAABAAAAAAAAAAeAAAAaAAAAAAAAAAAAAAAAAAAAAAAAAAAAAAAECcAABAnAAAAAAAAAAAAAAAAAAAAAAAAAAAAAAAAAAAAAAAAAAAAABQAAAAAAAAAwMD/AAAAAABkAAAAMgAAAAAAAABkAAAAAAAAAH9/fwAKAAAAIgAAABgAAAAAAAAAAAAAAAAAAAAAAAAAAAAAAAAAAAAkAAAAJAAAAAAAAAAHAAAAAAAAAAAAAAAAAAAAAAAAAAAAAAAAAAAAf39/ACUAAABYAAAAAAAAAAAAAAAAAAAAAAAAAAAAAAAAAAAAAAAAAAAAAAAAAAAAAAAAAAAAAAA/AAAAAAAAAKCGAQAAAAAAAAAAAAAAAAAMAAAAAQAAAAAAAAAAAAAAAAAAAB8AAABUAAAAAAAABQAAAAEAAAAAAAAAAAAAAAAAAAAAAAAAAAAAAAAAAAAAAAAAAAAAAAJ/f38AAAAAA8zMzADAwP8Af39/AAAAAAAAAAAAAAAAAAAAAAAAAAAAIQAAABgAAAAUAAAAwAMAANgJAABARwAAsCUAABAAAAAmAAAACAAAAAAAAAAAAAAAMAAAABQAAAAAAAAAAAD//wAAAQAAAP//AAABAA=="/>
+                <pr:smNativeData xmlns:pr="smNativeData" xmlns="smNativeData" val="SMDATA_16_D/2gZxMAAAAlAAAAZAAAAA8BAAAAkAAAAEgAAACQAAAASAAAAAAAAAAAAAAAAAAAAAEAAABQAAAAAAAAAAAA4D8AAAAAAADgPwAAAAAAAOA/AAAAAAAA4D8AAAAAAADgPwAAAAAAAOA/AAAAAAAA4D8AAAAAAADgPwAAAAAAAOA/AAAAAAAA4D8CAAAAjAAAAAAAAAAAAAAAu+DjDP///wgAAAAAAAAAAAAAAAAAAAAAAAAAAAAAAAAAAAAAZAAAAAEAAABAAAAAAAAAAAAAAAAAAAAAAAAAAAAAAAAAAAAAAAAAAAAAAAAAAAAAAAAAAAAAAAAAAAAAAAAAAAAAAAAAAAAAAAAAAAAAAAAAAAAAAAAAAAAAAAAAAAAAFAAAADwAAAAAAAAAAAAAAAAAAAkUAAAAAQAAABQAAAAUAAAAFAAAAAEAAAAAAAAAZAAAAGQAAAAAAAAAZAAAAGQAAAAVAAAAYAAAAAAAAAAAAAAADwAAACADAAAAAAAAAAAAAAEAAACgMgAAVgcAAKr4//8BAAAAf39/AAEAAABkAAAAAAAAABQAAABAHwAAAAAAACYAAAAAAAAAwOD//wAAAAAmAAAAZAAAABYAAABMAAAAAAAAAAAAAAAEAAAAAAAAAAEAAACAgIAKAAAAACgAAAAoAAAAZAAAAGQAAAAAAAAAzMzMAAAAAABQAAAAUAAAAGQAAABkAAAAAAAAABcAAAAUAAAAAAAAAAAAAAD/fwAA/38AAAAAAAAJAAAABAAAAAAAAAAeAAAAaAAAAAAAAAAAAAAAAAAAAAAAAAAAAAAAECcAABAnAAAAAAAAAAAAAAAAAAAAAAAAAAAAAAAAAAAAAAAAAAAAABQAAAAAAAAAwMD/AAAAAABkAAAAMgAAAAAAAABkAAAAAAAAAH9/fwAKAAAAIgAAABgAAAAAAAAAAAAAAAAAAAAAAAAAAAAAAAAAAAAkAAAAJAAAAAAAAAAHAAAAAAAAAAAAAAAAAAAAAAAAAAAAAAAAAAAAf39/ACUAAABYAAAAAAAAAAAAAAAAAAAAAAAAAAAAAAAAAAAAAAAAAAAAAAAAAAAAAAAAAAAAAAA/AAAAAAAAAKCGAQAAAAAAAAAAAAAAAAAMAAAAAQAAAAAAAAAAAAAAAAAAAB8AAABUAAAAAAAABQAAAAEAAAAAAAAAAAAAAAAAAAAAAAAAAAAAAAAAAAAAAAAAAAAAAAJ/f38AAAAAA8zMzADAwP8Af39/AAAAAAAAAAAAAAAAAAAAAAAAAAAAIQAAABgAAAAUAAAAwAMAANgJAABARwAAsCUAABAAAAAmAAAACAAAAAAAAAAAAAAAMAAAABQAAAAAAAAAAAD//wAAAQAAAP//AAABAA=="/>
               </a:ext>
             </a:extLst>
           </p:cNvSpPr>
@@ -905,7 +905,7 @@
             <a:spLocks noGrp="1" noChangeArrowheads="1"/>
             <a:extLst>
               <a:ext uri="smNativeData">
-                <pr:smNativeData xmlns:pr="smNativeData" xmlns="smNativeData" val="SMDATA_16_yvWgZxMAAAAlAAAAZAAAAA8BAAAAkAAAAEgAAACQAAAASAAAAAAAAAABAAAAAAAAAAEAAABQAAAAAAAAAAAA4D8AAAAAAADgPwAAAAAAAOA/AAAAAAAA4D8AAAAAAADgPwAAAAAAAOA/AAAAAAAA4D8AAAAAAADgPwAAAAAAAOA/AAAAAAAA4D8CAAAAjAAAAAAAAAAAAAAAu+DjDP///wgAAAAAAAAAAAAAAAAAAAAAAAAAAAAAAAAAAAAAZAAAAAEAAABAAAAAAAAAAAAAAAAAAAAAAAAAAAAAAAAAAAAAAAAAAAAAAAAAAAAAAAAAAAAAAAAAAAAAAAAAAAAAAAAAAAAAAAAAAAAAAAAAAAAAAAAAAAAAAAAAAAAAFAAAADwAAAAAAAAAAAAAAAAAAAkUAAAAAQAAABQAAAAUAAAAFAAAAAEAAAAAAAAAZAAAAGQAAAAAAAAAZAAAAGQAAAAVAAAAYAAAAAAAAAAAAAAADwAAACADAAAAAAAAAAAAAAEAAACgMgAAVgcAAKr4//8BAAAAf39/AAEAAABkAAAAAAAAABQAAABAHwAAAAAAACYAAAAAAAAAwOD//wAAAAAmAAAAZAAAABYAAABMAAAAAAAAAAAAAAAEAAAAAAAAAAEAAACAgIAKAAAAACgAAAAoAAAAZAAAAGQAAAAAAAAAzMzMAAAAAABQAAAAUAAAAGQAAABkAAAAAAAAABcAAAAUAAAAAAAAAAAAAAD/fwAA/38AAAAAAAAJAAAABAAAANw7IAEeAAAAaAAAAAAAAAAAAAAAAAAAAAAAAAAAAAAAECcAABAnAAAAAAAAAAAAAAAAAAAAAAAAAAAAAAAAAAAAAAAAAAAAABQAAAAAAAAAwMD/AAAAAABkAAAAMgAAAAAAAABkAAAAAAAAAH9/fwAKAAAAIgAAABgAAAAAAAAAAAAAAAAAAAAAAAAAAAAAAAAAAAAkAAAAJAAAAAAAAAAHAAAAAAAAAAAAAAAAAAAAAAAAAAAAAAAAAAAAf39/ACUAAABYAAAAAAAAAAAAAAAAAAAAAAAAAAAAAAAAAAAAAAAAAAAAAAAAAAAAAAAAAAAAAAA/AAAAAAAAAKCGAQAAAAAAAAAAAAAAAAAMAAAAAQAAAAAAAAAAAAAAAAAAAB8AAABUAAAAAAAABQAAAAEAAAAAAAAAAAAAAAAAAAAAAAAAAAAAAAAAAAAAAAAAAAAAAAJ/f38AAAAAA8zMzADAwP8Af39/AAAAAAAAAAAAAAAAAAAAAAAAAAAAIQAAABgAAAAUAAAAwAMAABsnAAA/FQAAWSkAABAAAAAmAAAACAAAAAAAAAAAAAAAMAAAABQAAAAAAAAAAAD//wAAAQAAAP//AAABAA=="/>
+                <pr:smNativeData xmlns:pr="smNativeData" xmlns="smNativeData" val="SMDATA_16_D/2gZxMAAAAlAAAAZAAAAA8BAAAAkAAAAEgAAACQAAAASAAAAAAAAAABAAAAAAAAAAEAAABQAAAAAAAAAAAA4D8AAAAAAADgPwAAAAAAAOA/AAAAAAAA4D8AAAAAAADgPwAAAAAAAOA/AAAAAAAA4D8AAAAAAADgPwAAAAAAAOA/AAAAAAAA4D8CAAAAjAAAAAAAAAAAAAAAu+DjDP///wgAAAAAAAAAAAAAAAAAAAAAAAAAAAAAAAAAAAAAZAAAAAEAAABAAAAAAAAAAAAAAAAAAAAAAAAAAAAAAAAAAAAAAAAAAAAAAAAAAAAAAAAAAAAAAAAAAAAAAAAAAAAAAAAAAAAAAAAAAAAAAAAAAAAAAAAAAAAAAAAAAAAAFAAAADwAAAAAAAAAAAAAAAAAAAkUAAAAAQAAABQAAAAUAAAAFAAAAAEAAAAAAAAAZAAAAGQAAAAAAAAAZAAAAGQAAAAVAAAAYAAAAAAAAAAAAAAADwAAACADAAAAAAAAAAAAAAEAAACgMgAAVgcAAKr4//8BAAAAf39/AAEAAABkAAAAAAAAABQAAABAHwAAAAAAACYAAAAAAAAAwOD//wAAAAAmAAAAZAAAABYAAABMAAAAAAAAAAAAAAAEAAAAAAAAAAEAAACAgIAKAAAAACgAAAAoAAAAZAAAAGQAAAAAAAAAzMzMAAAAAABQAAAAUAAAAGQAAABkAAAAAAAAABcAAAAUAAAAAAAAAAAAAAD/fwAA/38AAAAAAAAJAAAABAAAANw7IAEeAAAAaAAAAAAAAAAAAAAAAAAAAAAAAAAAAAAAECcAABAnAAAAAAAAAAAAAAAAAAAAAAAAAAAAAAAAAAAAAAAAAAAAABQAAAAAAAAAwMD/AAAAAABkAAAAMgAAAAAAAABkAAAAAAAAAH9/fwAKAAAAIgAAABgAAAAAAAAAAAAAAAAAAAAAAAAAAAAAAAAAAAAkAAAAJAAAAAAAAAAHAAAAAAAAAAAAAAAAAAAAAAAAAAAAAAAAAAAAf39/ACUAAABYAAAAAAAAAAAAAAAAAAAAAAAAAAAAAAAAAAAAAAAAAAAAAAAAAAAAAAAAAAAAAAA/AAAAAAAAAKCGAQAAAAAAAAAAAAAAAAAMAAAAAQAAAAAAAAAAAAAAAAAAAB8AAABUAAAAAAAABQAAAAEAAAAAAAAAAAAAAAAAAAAAAAAAAAAAAAAAAAAAAAAAAAAAAAJ/f38AAAAAA8zMzADAwP8Af39/AAAAAAAAAAAAAAAAAAAAAAAAAAAAIQAAABgAAAAUAAAAwAMAABsnAAA/FQAAWSkAABAAAAAmAAAACAAAAAAAAAAAAAAAMAAAABQAAAAAAAAAAAD//wAAAQAAAP//AAABAA=="/>
               </a:ext>
             </a:extLst>
           </p:cNvSpPr>
@@ -919,7 +919,7 @@
           <a:lstStyle/>
           <a:p>
             <a:pPr/>
-            <a:fld id="{3D14689E-D0D0-419E-9EAC-26CB26E26873}" type="datetime1">
+            <a:fld id="{3DF981C8-86D0-AC77-9E41-7022CF0F6825}" type="datetime1">
               <a:t/>
             </a:fld>
           </a:p>
@@ -932,7 +932,7 @@
             <a:spLocks noGrp="1" noChangeArrowheads="1"/>
             <a:extLst>
               <a:ext uri="smNativeData">
-                <pr:smNativeData xmlns:pr="smNativeData" xmlns="smNativeData" val="SMDATA_16_yvWgZxMAAAAlAAAAZAAAAA8BAAAAkAAAAEgAAACQAAAASAAAAAAAAAABAAAAAAAAAAEAAABQAAAAAAAAAAAA4D8AAAAAAADgPwAAAAAAAOA/AAAAAAAA4D8AAAAAAADgPwAAAAAAAOA/AAAAAAAA4D8AAAAAAADgPwAAAAAAAOA/AAAAAAAA4D8CAAAAjAAAAAAAAAAAAAAAu+DjDP///wgAAAAAAAAAAAAAAAAAAAAAAAAAAAAAAAAAAAAAZAAAAAEAAABAAAAAAAAAAAAAAAAAAAAAAAAAAAAAAAAAAAAAAAAAAAAAAAAAAAAAAAAAAAAAAAAAAAAAAAAAAAAAAAAAAAAAAAAAAAAAAAAAAAAAAAAAAAAAAAAAAAAAFAAAADwAAAAAAAAAAAAAAAAAAAkUAAAAAQAAABQAAAAUAAAAFAAAAAEAAAAAAAAAZAAAAGQAAAAAAAAAZAAAAGQAAAAVAAAAYAAAAAAAAAAAAAAADwAAACADAAAAAAAAAAAAAAEAAACgMgAAVgcAAKr4//8BAAAAf39/AAEAAABkAAAAAAAAABQAAABAHwAAAAAAACYAAAAAAAAAwOD//wAAAAAmAAAAZAAAABYAAABMAAAAAAAAAAAAAAAEAAAAAAAAAAEAAACAgIAKAAAAACgAAAAoAAAAZAAAAGQAAAAAAAAAzMzMAAAAAABQAAAAUAAAAGQAAABkAAAAAAAAABcAAAAUAAAAAAAAAAAAAAD/fwAA/38AAAAAAAAJAAAABAAAANw7IAEeAAAAaAAAAAAAAAAAAAAAAAAAAAAAAAAAAAAAECcAABAnAAAAAAAAAAAAAAAAAAAAAAAAAAAAAAAAAAAAAAAAAAAAABQAAAAAAAAAwMD/AAAAAABkAAAAMgAAAAAAAABkAAAAAAAAAH9/fwAKAAAAIgAAABgAAAAAAAAAAAAAAAAAAAAAAAAAAAAAAAAAAAAkAAAAJAAAAAAAAAAHAAAAAAAAAAAAAAAAAAAAAAAAAAAAAAAAAAAAf39/ACUAAABYAAAAAAAAAAAAAAAAAAAAAAAAAAAAAAAAAAAAAAAAAAAAAAAAAAAAAAAAAAAAAAA/AAAAAAAAAKCGAQAAAAAAAAAAAAAAAAAMAAAAAQAAAAAAAAAAAAAAAAAAAB8AAABUAAAAAAAABQAAAAEAAAAAAAAAAAAAAAAAAAAAAAAAAAAAAAAAAAAAAAAAAAAAAAJ/f38AAAAAA8zMzADAwP8Af39/AAAAAAAAAAAAAAAAAAAAAAAAAAAAIQAAABgAAAAUAAAAoRkAABsnAABfMQAAWSkAABAAAAAmAAAACAAAAAAAAAAAAAAAMAAAABQAAAAAAAAAAAD//wAAAQAAAP//AAABAA=="/>
+                <pr:smNativeData xmlns:pr="smNativeData" xmlns="smNativeData" val="SMDATA_16_D/2gZxMAAAAlAAAAZAAAAA8BAAAAkAAAAEgAAACQAAAASAAAAAAAAAABAAAAAAAAAAEAAABQAAAAAAAAAAAA4D8AAAAAAADgPwAAAAAAAOA/AAAAAAAA4D8AAAAAAADgPwAAAAAAAOA/AAAAAAAA4D8AAAAAAADgPwAAAAAAAOA/AAAAAAAA4D8CAAAAjAAAAAAAAAAAAAAAu+DjDP///wgAAAAAAAAAAAAAAAAAAAAAAAAAAAAAAAAAAAAAZAAAAAEAAABAAAAAAAAAAAAAAAAAAAAAAAAAAAAAAAAAAAAAAAAAAAAAAAAAAAAAAAAAAAAAAAAAAAAAAAAAAAAAAAAAAAAAAAAAAAAAAAAAAAAAAAAAAAAAAAAAAAAAFAAAADwAAAAAAAAAAAAAAAAAAAkUAAAAAQAAABQAAAAUAAAAFAAAAAEAAAAAAAAAZAAAAGQAAAAAAAAAZAAAAGQAAAAVAAAAYAAAAAAAAAAAAAAADwAAACADAAAAAAAAAAAAAAEAAACgMgAAVgcAAKr4//8BAAAAf39/AAEAAABkAAAAAAAAABQAAABAHwAAAAAAACYAAAAAAAAAwOD//wAAAAAmAAAAZAAAABYAAABMAAAAAAAAAAAAAAAEAAAAAAAAAAEAAACAgIAKAAAAACgAAAAoAAAAZAAAAGQAAAAAAAAAzMzMAAAAAABQAAAAUAAAAGQAAABkAAAAAAAAABcAAAAUAAAAAAAAAAAAAAD/fwAA/38AAAAAAAAJAAAABAAAANw7IAEeAAAAaAAAAAAAAAAAAAAAAAAAAAAAAAAAAAAAECcAABAnAAAAAAAAAAAAAAAAAAAAAAAAAAAAAAAAAAAAAAAAAAAAABQAAAAAAAAAwMD/AAAAAABkAAAAMgAAAAAAAABkAAAAAAAAAH9/fwAKAAAAIgAAABgAAAAAAAAAAAAAAAAAAAAAAAAAAAAAAAAAAAAkAAAAJAAAAAAAAAAHAAAAAAAAAAAAAAAAAAAAAAAAAAAAAAAAAAAAf39/ACUAAABYAAAAAAAAAAAAAAAAAAAAAAAAAAAAAAAAAAAAAAAAAAAAAAAAAAAAAAAAAAAAAAA/AAAAAAAAAKCGAQAAAAAAAAAAAAAAAAAMAAAAAQAAAAAAAAAAAAAAAAAAAB8AAABUAAAAAAAABQAAAAEAAAAAAAAAAAAAAAAAAAAAAAAAAAAAAAAAAAAAAAAAAAAAAAJ/f38AAAAAA8zMzADAwP8Af39/AAAAAAAAAAAAAAAAAAAAAAAAAAAAIQAAABgAAAAUAAAAoRkAABsnAABfMQAAWSkAABAAAAAmAAAACAAAAAAAAAAAAAAAMAAAABQAAAAAAAAAAAD//wAAAQAAAP//AAABAA=="/>
               </a:ext>
             </a:extLst>
           </p:cNvSpPr>
@@ -956,7 +956,7 @@
             <a:spLocks noGrp="1" noChangeArrowheads="1"/>
             <a:extLst>
               <a:ext uri="smNativeData">
-                <pr:smNativeData xmlns:pr="smNativeData" xmlns="smNativeData" val="SMDATA_16_yvWgZxMAAAAlAAAAZAAAAA8BAAAAkAAAAEgAAACQAAAASAAAAAAAAAABAAAAAAAAAAEAAABQAAAAAAAAAAAA4D8AAAAAAADgPwAAAAAAAOA/AAAAAAAA4D8AAAAAAADgPwAAAAAAAOA/AAAAAAAA4D8AAAAAAADgPwAAAAAAAOA/AAAAAAAA4D8CAAAAjAAAAAAAAAAAAAAAu+DjDP///wgAAAAAAAAAAAAAAAAAAAAAAAAAAAAAAAAAAAAAZAAAAAEAAABAAAAAAAAAAAAAAAAAAAAAAAAAAAAAAAAAAAAAAAAAAAAAAAAAAAAAAAAAAAAAAAAAAAAAAAAAAAAAAAAAAAAAAAAAAAAAAAAAAAAAAAAAAAAAAAAAAAAAFAAAADwAAAAAAAAAAAAAAAAAAAkUAAAAAQAAABQAAAAUAAAAFAAAAAEAAAAAAAAAZAAAAGQAAAAAAAAAZAAAAGQAAAAVAAAAYAAAAAAAAAAAAAAADwAAACADAAAAAAAAAAAAAAEAAACgMgAAVgcAAKr4//8BAAAAf39/AAEAAABkAAAAAAAAABQAAABAHwAAAAAAACYAAAAAAAAAwOD//wAAAAAmAAAAZAAAABYAAABMAAAAAAAAAAAAAAAEAAAAAAAAAAEAAACAgIAKAAAAACgAAAAoAAAAZAAAAGQAAAAAAAAAzMzMAAAAAABQAAAAUAAAAGQAAABkAAAAAAAAABcAAAAUAAAAAAAAAAAAAAD/fwAA/38AAAAAAAAJAAAABAAAAAAAAAAeAAAAaAAAAAAAAAAAAAAAAAAAAAAAAAAAAAAAECcAABAnAAAAAAAAAAAAAAAAAAAAAAAAAAAAAAAAAAAAAAAAAAAAABQAAAAAAAAAwMD/AAAAAABkAAAAMgAAAAAAAABkAAAAAAAAAH9/fwAKAAAAIgAAABgAAAAAAAAAAAAAAAAAAAAAAAAAAAAAAAAAAAAkAAAAJAAAAAAAAAAHAAAAAAAAAAAAAAAAAAAAAAAAAAAAAAAAAAAAf39/ACUAAABYAAAAAAAAAAAAAAAAAAAAAAAAAAAAAAAAAAAAAAAAAAAAAAAAAAAAAAAAAAAAAAA/AAAAAAAAAKCGAQAAAAAAAAAAAAAAAAAMAAAAAQAAAAAAAAAAAAAAAAAAAB8AAABUAAAAAAAABQAAAAEAAAAAAAAAAAAAAAAAAAAAAAAAAAAAAAAAAAAAAAAAAAAAAAJ/f38AAAAAA8zMzADAwP8Af39/AAAAAAAAAAAAAAAAAAAAAAAAAAAAIQAAABgAAAAUAAAAwTUAABsnAABARwAAWSkAABAAAAAmAAAACAAAAAAAAAAAAAAAMAAAABQAAAAAAAAAAAD//wAAAQAAAP//AAABAA=="/>
+                <pr:smNativeData xmlns:pr="smNativeData" xmlns="smNativeData" val="SMDATA_16_D/2gZxMAAAAlAAAAZAAAAA8BAAAAkAAAAEgAAACQAAAASAAAAAAAAAABAAAAAAAAAAEAAABQAAAAAAAAAAAA4D8AAAAAAADgPwAAAAAAAOA/AAAAAAAA4D8AAAAAAADgPwAAAAAAAOA/AAAAAAAA4D8AAAAAAADgPwAAAAAAAOA/AAAAAAAA4D8CAAAAjAAAAAAAAAAAAAAAu+DjDP///wgAAAAAAAAAAAAAAAAAAAAAAAAAAAAAAAAAAAAAZAAAAAEAAABAAAAAAAAAAAAAAAAAAAAAAAAAAAAAAAAAAAAAAAAAAAAAAAAAAAAAAAAAAAAAAAAAAAAAAAAAAAAAAAAAAAAAAAAAAAAAAAAAAAAAAAAAAAAAAAAAAAAAFAAAADwAAAAAAAAAAAAAAAAAAAkUAAAAAQAAABQAAAAUAAAAFAAAAAEAAAAAAAAAZAAAAGQAAAAAAAAAZAAAAGQAAAAVAAAAYAAAAAAAAAAAAAAADwAAACADAAAAAAAAAAAAAAEAAACgMgAAVgcAAKr4//8BAAAAf39/AAEAAABkAAAAAAAAABQAAABAHwAAAAAAACYAAAAAAAAAwOD//wAAAAAmAAAAZAAAABYAAABMAAAAAAAAAAAAAAAEAAAAAAAAAAEAAACAgIAKAAAAACgAAAAoAAAAZAAAAGQAAAAAAAAAzMzMAAAAAABQAAAAUAAAAGQAAABkAAAAAAAAABcAAAAUAAAAAAAAAAAAAAD/fwAA/38AAAAAAAAJAAAABAAAAAAAAAAeAAAAaAAAAAAAAAAAAAAAAAAAAAAAAAAAAAAAECcAABAnAAAAAAAAAAAAAAAAAAAAAAAAAAAAAAAAAAAAAAAAAAAAABQAAAAAAAAAwMD/AAAAAABkAAAAMgAAAAAAAABkAAAAAAAAAH9/fwAKAAAAIgAAABgAAAAAAAAAAAAAAAAAAAAAAAAAAAAAAAAAAAAkAAAAJAAAAAAAAAAHAAAAAAAAAAAAAAAAAAAAAAAAAAAAAAAAAAAAf39/ACUAAABYAAAAAAAAAAAAAAAAAAAAAAAAAAAAAAAAAAAAAAAAAAAAAAAAAAAAAAAAAAAAAAA/AAAAAAAAAKCGAQAAAAAAAAAAAAAAAAAMAAAAAQAAAAAAAAAAAAAAAAAAAB8AAABUAAAAAAAABQAAAAEAAAAAAAAAAAAAAAAAAAAAAAAAAAAAAAAAAAAAAAAAAAAAAAJ/f38AAAAAA8zMzADAwP8Af39/AAAAAAAAAAAAAAAAAAAAAAAAAAAAIQAAABgAAAAUAAAAwTUAABsnAABARwAAWSkAABAAAAAmAAAACAAAAAAAAAAAAAAAMAAAABQAAAAAAAAAAAD//wAAAQAAAP//AAABAA=="/>
               </a:ext>
             </a:extLst>
           </p:cNvSpPr>
@@ -970,7 +970,7 @@
           <a:lstStyle/>
           <a:p>
             <a:pPr/>
-            <a:fld id="{3D143BE2-ACD0-41CD-9EAC-5A9875E2680F}" type="slidenum">
+            <a:fld id="{3DF9FDC5-8BD0-AC0B-9E41-7D5EB30F6828}" type="slidenum">
               <a:t/>
             </a:fld>
           </a:p>
@@ -1009,7 +1009,7 @@
             <a:spLocks noGrp="1" noChangeArrowheads="1"/>
             <a:extLst>
               <a:ext uri="smNativeData">
-                <pr:smNativeData xmlns:pr="smNativeData" xmlns="smNativeData" val="SMDATA_16_yvWgZxMAAAAlAAAAZAAAAA8BAAAAkAAAAEgAAACQAAAASAAAAAAAAAAAAAAAAAAAAAEAAABQAAAAAAAAAAAA4D8AAAAAAADgPwAAAAAAAOA/AAAAAAAA4D8AAAAAAADgPwAAAAAAAOA/AAAAAAAA4D8AAAAAAADgPwAAAAAAAOA/AAAAAAAA4D8CAAAAjAAAAAAAAAAAAAAAu+DjDP///wgAAAAAAAAAAAAAAAAAAAAAAAAAAAAAAAAAAAAAZAAAAAEAAABAAAAAAAAAAAAAAAAAAAAAAAAAAAAAAAAAAAAAAAAAAAAAAAAAAAAAAAAAAAAAAAAAAAAAAAAAAAAAAAAAAAAAAAAAAAAAAAAAAAAAAAAAAAAAAAAAAAAAFAAAADwAAAAAAAAAAAAAAAAAAAkUAAAAAQAAABQAAAAUAAAAFAAAAAEAAAAAAAAAZAAAAGQAAAAAAAAAZAAAAGQAAAAVAAAAYAAAAAAAAAAAAAAADwAAACADAAAAAAAAAAAAAAEAAACgMgAAVgcAAKr4//8BAAAAf39/AAEAAABkAAAAAAAAABQAAABAHwAAAAAAACYAAAAAAAAAwOD//wAAAAAmAAAAZAAAABYAAABMAAAAAAAAAAAAAAAEAAAAAAAAAAEAAACAgIAKAAAAACgAAAAoAAAAZAAAAGQAAAAAAAAAzMzMAAAAAABQAAAAUAAAAGQAAABkAAAAAAAAABcAAAAUAAAAAAAAAAAAAAD/fwAA/38AAAAAAAAJAAAABAAAANw7IAEeAAAAaAAAAAAAAAAAAAAAAAAAAAAAAAAAAAAAECcAABAnAAAAAAAAAAAAAAAAAAAAAAAAAAAAAAAAAAAAAAAAAAAAABQAAAAAAAAAwMD/AAAAAABkAAAAMgAAAAAAAABkAAAAAAAAAH9/fwAKAAAAIgAAABgAAAAAAAAAAAAAAAAAAAAAAAAAAAAAAAAAAAAkAAAAJAAAAAAAAAAHAAAAAAAAAAAAAAAAAAAAAAAAAAAAAAAAAAAAf39/ACUAAABYAAAAAAAAAAAAAAAAAAAAAAAAAAAAAAAAAAAAAAAAAAAAAAAAAAAAAAAAAAAAAAA/AAAAAAAAAKCGAQAAAAAAAAAAAAAAAAAMAAAAAQAAAAAAAAAAAAAAAAAAAB8AAABUAAAAAAAABQAAAAEAAAAAAAAAAAAAAAAAAAAAAAAAAAAAAAAAAAAAAAAAAAAAAAJ/f38AAAAAA8zMzADAwP8Af39/AAAAAAAAAAAAAAAAAAAAAAAAAAAAIQAAABgAAAAUAAAA7QUAABwbAACtRQAAfSMAABAAAAAmAAAACAAAAIGAAAAAAAAAMAAAABQAAAAAAAAAAAD//wAAAQAAAP//AAABAA=="/>
+                <pr:smNativeData xmlns:pr="smNativeData" xmlns="smNativeData" val="SMDATA_16_D/2gZxMAAAAlAAAAZAAAAA8BAAAAkAAAAEgAAACQAAAASAAAAAAAAAAAAAAAAAAAAAEAAABQAAAAAAAAAAAA4D8AAAAAAADgPwAAAAAAAOA/AAAAAAAA4D8AAAAAAADgPwAAAAAAAOA/AAAAAAAA4D8AAAAAAADgPwAAAAAAAOA/AAAAAAAA4D8CAAAAjAAAAAAAAAAAAAAAu+DjDP///wgAAAAAAAAAAAAAAAAAAAAAAAAAAAAAAAAAAAAAZAAAAAEAAABAAAAAAAAAAAAAAAAAAAAAAAAAAAAAAAAAAAAAAAAAAAAAAAAAAAAAAAAAAAAAAAAAAAAAAAAAAAAAAAAAAAAAAAAAAAAAAAAAAAAAAAAAAAAAAAAAAAAAFAAAADwAAAAAAAAAAAAAAAAAAAkUAAAAAQAAABQAAAAUAAAAFAAAAAEAAAAAAAAAZAAAAGQAAAAAAAAAZAAAAGQAAAAVAAAAYAAAAAAAAAAAAAAADwAAACADAAAAAAAAAAAAAAEAAACgMgAAVgcAAKr4//8BAAAAf39/AAEAAABkAAAAAAAAABQAAABAHwAAAAAAACYAAAAAAAAAwOD//wAAAAAmAAAAZAAAABYAAABMAAAAAAAAAAAAAAAEAAAAAAAAAAEAAACAgIAKAAAAACgAAAAoAAAAZAAAAGQAAAAAAAAAzMzMAAAAAABQAAAAUAAAAGQAAABkAAAAAAAAABcAAAAUAAAAAAAAAAAAAAD/fwAA/38AAAAAAAAJAAAABAAAANw7IAEeAAAAaAAAAAAAAAAAAAAAAAAAAAAAAAAAAAAAECcAABAnAAAAAAAAAAAAAAAAAAAAAAAAAAAAAAAAAAAAAAAAAAAAABQAAAAAAAAAwMD/AAAAAABkAAAAMgAAAAAAAABkAAAAAAAAAH9/fwAKAAAAIgAAABgAAAAAAAAAAAAAAAAAAAAAAAAAAAAAAAAAAAAkAAAAJAAAAAAAAAAHAAAAAAAAAAAAAAAAAAAAAAAAAAAAAAAAAAAAf39/ACUAAABYAAAAAAAAAAAAAAAAAAAAAAAAAAAAAAAAAAAAAAAAAAAAAAAAAAAAAAAAAAAAAAA/AAAAAAAAAKCGAQAAAAAAAAAAAAAAAAAMAAAAAQAAAAAAAAAAAAAAAAAAAB8AAABUAAAAAAAABQAAAAEAAAAAAAAAAAAAAAAAAAAAAAAAAAAAAAAAAAAAAAAAAAAAAAJ/f38AAAAAA8zMzADAwP8Af39/AAAAAAAAAAAAAAAAAAAAAAAAAAAAIQAAABgAAAAUAAAA7QUAABwbAACtRQAAfSMAABAAAAAmAAAACAAAAIGAAAAAAAAAMAAAABQAAAAAAAAAAAD//wAAAQAAAP//AAABAA=="/>
               </a:ext>
             </a:extLst>
           </p:cNvSpPr>
@@ -1049,7 +1049,7 @@
             <a:spLocks noGrp="1" noChangeArrowheads="1"/>
             <a:extLst>
               <a:ext uri="smNativeData">
-                <pr:smNativeData xmlns:pr="smNativeData" xmlns="smNativeData" val="SMDATA_16_yvWgZxMAAAAlAAAAZAAAAA8BAAAAkAAAAEgAAACQAAAASAAAAAAAAAACAAAAAAAAAAEAAABQAAAAAAAAAAAA4D8AAAAAAADgPwAAAAAAAOA/AAAAAAAA4D8AAAAAAADgPwAAAAAAAOA/AAAAAAAA4D8AAAAAAADgPwAAAAAAAOA/AAAAAAAA4D8CAAAAjAAAAAAAAAAAAAAAu+DjDP///wgAAAAAAAAAAAAAAAAAAAAAAAAAAAAAAAAAAAAAZAAAAAEAAABAAAAAAAAAAAAAAAAAAAAAAAAAAAAAAAAAAAAAAAAAAAAAAAAAAAAAAAAAAAAAAAAAAAAAAAAAAAAAAAAAAAAAAAAAAAAAAAAAAAAAAAAAAAAAAAAAAAAAFAAAADwAAAAAAAAAAAAAAAAAAAkUAAAAAQAAABQAAAAUAAAAFAAAAAEAAAAAAAAAZAAAAGQAAAAAAAAAZAAAAGQAAAAVAAAAYAAAAAAAAAAAAAAADwAAACADAAAAAAAAAAAAAAEAAACgMgAAVgcAAKr4//8BAAAAf39/AAEAAABkAAAAAAAAABQAAABAHwAAAAAAACYAAAAAAAAAwOD//wAAAAAmAAAAZAAAABYAAABMAAAAAAAAAAAAAAAEAAAAAAAAAAEAAACAgIAKAAAAACgAAAAoAAAAZAAAAGQAAAAAAAAAzMzMAAAAAABQAAAAUAAAAGQAAABkAAAAAAAAABcAAAAUAAAAAAAAAAAAAAD/fwAA/38AAAAAAAAJAAAABAAAANw7IAEeAAAAaAAAAAAAAAAAAAAAAAAAAAAAAAAAAAAAECcAABAnAAAAAAAAAAAAAAAAAAAAAAAAAAAAAAAAAAAAAAAAAAAAABQAAAAAAAAAwMD/AAAAAABkAAAAMgAAAAAAAABkAAAAAAAAAH9/fwAKAAAAIgAAABgAAAAAAAAAAAAAAAAAAAAAAAAAAAAAAAAAAAAkAAAAJAAAAAAAAAAHAAAAAAAAAAAAAAAAAAAAAAAAAAAAAAAAAAAAf39/ACUAAABYAAAAAAAAAAAAAAAAAAAAAAAAAAAAAAAAAAAAAAAAAAAAAAAAAAAAAAAAAAAAAAA/AAAAAAAAAKCGAQAAAAAAAAAAAAAAAAAMAAAAAQAAAAAAAAAAAAAAAAAAAB8AAABUAAAAAAAABQAAAAEAAAAAAAAAAAAAAAAAAAAAAAAAAAAAAAAAAAAAAAAAAAAAAAJ/f38AAAAAA8zMzADAwP8Af39/AAAAAAAAAAAAAAAAAAAAAAAAAAAAIQAAABgAAAAUAAAA7QUAAOERAACtRQAAHBsAABAAAAAmAAAACAAAAIGAAAAAAAAAMAAAABQAAAAAAAAAAAD//wAAAQAAAP//AAABAA=="/>
+                <pr:smNativeData xmlns:pr="smNativeData" xmlns="smNativeData" val="SMDATA_16_D/2gZxMAAAAlAAAAZAAAAA8BAAAAkAAAAEgAAACQAAAASAAAAAAAAAACAAAAAAAAAAEAAABQAAAAAAAAAAAA4D8AAAAAAADgPwAAAAAAAOA/AAAAAAAA4D8AAAAAAADgPwAAAAAAAOA/AAAAAAAA4D8AAAAAAADgPwAAAAAAAOA/AAAAAAAA4D8CAAAAjAAAAAAAAAAAAAAAu+DjDP///wgAAAAAAAAAAAAAAAAAAAAAAAAAAAAAAAAAAAAAZAAAAAEAAABAAAAAAAAAAAAAAAAAAAAAAAAAAAAAAAAAAAAAAAAAAAAAAAAAAAAAAAAAAAAAAAAAAAAAAAAAAAAAAAAAAAAAAAAAAAAAAAAAAAAAAAAAAAAAAAAAAAAAFAAAADwAAAAAAAAAAAAAAAAAAAkUAAAAAQAAABQAAAAUAAAAFAAAAAEAAAAAAAAAZAAAAGQAAAAAAAAAZAAAAGQAAAAVAAAAYAAAAAAAAAAAAAAADwAAACADAAAAAAAAAAAAAAEAAACgMgAAVgcAAKr4//8BAAAAf39/AAEAAABkAAAAAAAAABQAAABAHwAAAAAAACYAAAAAAAAAwOD//wAAAAAmAAAAZAAAABYAAABMAAAAAAAAAAAAAAAEAAAAAAAAAAEAAACAgIAKAAAAACgAAAAoAAAAZAAAAGQAAAAAAAAAzMzMAAAAAABQAAAAUAAAAGQAAABkAAAAAAAAABcAAAAUAAAAAAAAAAAAAAD/fwAA/38AAAAAAAAJAAAABAAAANw7IAEeAAAAaAAAAAAAAAAAAAAAAAAAAAAAAAAAAAAAECcAABAnAAAAAAAAAAAAAAAAAAAAAAAAAAAAAAAAAAAAAAAAAAAAABQAAAAAAAAAwMD/AAAAAABkAAAAMgAAAAAAAABkAAAAAAAAAH9/fwAKAAAAIgAAABgAAAAAAAAAAAAAAAAAAAAAAAAAAAAAAAAAAAAkAAAAJAAAAAAAAAAHAAAAAAAAAAAAAAAAAAAAAAAAAAAAAAAAAAAAf39/ACUAAABYAAAAAAAAAAAAAAAAAAAAAAAAAAAAAAAAAAAAAAAAAAAAAAAAAAAAAAAAAAAAAAA/AAAAAAAAAKCGAQAAAAAAAAAAAAAAAAAMAAAAAQAAAAAAAAAAAAAAAAAAAB8AAABUAAAAAAAABQAAAAEAAAAAAAAAAAAAAAAAAAAAAAAAAAAAAAAAAAAAAAAAAAAAAAJ/f38AAAAAA8zMzADAwP8Af39/AAAAAAAAAAAAAAAAAAAAAAAAAAAAIQAAABgAAAAUAAAA7QUAAOERAACtRQAAHBsAABAAAAAmAAAACAAAAIGAAAAAAAAAMAAAABQAAAAAAAAAAAD//wAAAQAAAP//AAABAA=="/>
               </a:ext>
             </a:extLst>
           </p:cNvSpPr>
@@ -1122,7 +1122,7 @@
             <a:spLocks noGrp="1" noChangeArrowheads="1"/>
             <a:extLst>
               <a:ext uri="smNativeData">
-                <pr:smNativeData xmlns:pr="smNativeData" xmlns="smNativeData" val="SMDATA_16_yvWgZxMAAAAlAAAAZAAAAA8BAAAAkAAAAEgAAACQAAAASAAAAAAAAAABAAAAAAAAAAEAAABQAAAAAAAAAAAA4D8AAAAAAADgPwAAAAAAAOA/AAAAAAAA4D8AAAAAAADgPwAAAAAAAOA/AAAAAAAA4D8AAAAAAADgPwAAAAAAAOA/AAAAAAAA4D8CAAAAjAAAAAAAAAAAAAAAu+DjDP///wgAAAAAAAAAAAAAAAAAAAAAAAAAAAAAAAAAAAAAZAAAAAEAAABAAAAAAAAAAAAAAAAAAAAAAAAAAAAAAAAAAAAAAAAAAAAAAAAAAAAAAAAAAAAAAAAAAAAAAAAAAAAAAAAAAAAAAAAAAAAAAAAAAAAAAAAAAAAAAAAAAAAAFAAAADwAAAAAAAAAAAAAAAAAAAkUAAAAAQAAABQAAAAUAAAAFAAAAAEAAAAAAAAAZAAAAGQAAAAAAAAAZAAAAGQAAAAVAAAAYAAAAAAAAAAAAAAADwAAACADAAAAAAAAAAAAAAEAAACgMgAAVgcAAKr4//8BAAAAf39/AAEAAABkAAAAAAAAABQAAABAHwAAAAAAACYAAAAAAAAAwOD//wAAAAAmAAAAZAAAABYAAABMAAAAAAAAAAAAAAAEAAAAAAAAAAEAAACAgIAKAAAAACgAAAAoAAAAZAAAAGQAAAAAAAAAzMzMAAAAAABQAAAAUAAAAGQAAABkAAAAAAAAABcAAAAUAAAAAAAAAAAAAAD/fwAA/38AAAAAAAAJAAAABAAAAAAAAAAeAAAAaAAAAAAAAAAAAAAAAAAAAAAAAAAAAAAAECcAABAnAAAAAAAAAAAAAAAAAAAAAAAAAAAAAAAAAAAAAAAAAAAAABQAAAAAAAAAwMD/AAAAAABkAAAAMgAAAAAAAABkAAAAAAAAAH9/fwAKAAAAIgAAABgAAAAAAAAAAAAAAAAAAAAAAAAAAAAAAAAAAAAkAAAAJAAAAAAAAAAHAAAAAAAAAAAAAAAAAAAAAAAAAAAAAAAAAAAAf39/ACUAAABYAAAAAAAAAAAAAAAAAAAAAAAAAAAAAAAAAAAAAAAAAAAAAAAAAAAAAAAAAAAAAAA/AAAAAAAAAKCGAQAAAAAAAAAAAAAAAAAMAAAAAQAAAAAAAAAAAAAAAAAAAB8AAABUAAAAAAAABQAAAAEAAAAAAAAAAAAAAAAAAAAAAAAAAAAAAAAAAAAAAAAAAAAAAAJ/f38AAAAAA8zMzADAwP8Af39/AAAAAAAAAAAAAAAAAAAAAAAAAAAAIQAAABgAAAAUAAAAwAMAABsnAAA/FQAAWSkAABAAAAAmAAAACAAAAAAAAAAAAAAAMAAAABQAAAAAAAAAAAD//wAAAQAAAP//AAABAA=="/>
+                <pr:smNativeData xmlns:pr="smNativeData" xmlns="smNativeData" val="SMDATA_16_D/2gZxMAAAAlAAAAZAAAAA8BAAAAkAAAAEgAAACQAAAASAAAAAAAAAABAAAAAAAAAAEAAABQAAAAAAAAAAAA4D8AAAAAAADgPwAAAAAAAOA/AAAAAAAA4D8AAAAAAADgPwAAAAAAAOA/AAAAAAAA4D8AAAAAAADgPwAAAAAAAOA/AAAAAAAA4D8CAAAAjAAAAAAAAAAAAAAAu+DjDP///wgAAAAAAAAAAAAAAAAAAAAAAAAAAAAAAAAAAAAAZAAAAAEAAABAAAAAAAAAAAAAAAAAAAAAAAAAAAAAAAAAAAAAAAAAAAAAAAAAAAAAAAAAAAAAAAAAAAAAAAAAAAAAAAAAAAAAAAAAAAAAAAAAAAAAAAAAAAAAAAAAAAAAFAAAADwAAAAAAAAAAAAAAAAAAAkUAAAAAQAAABQAAAAUAAAAFAAAAAEAAAAAAAAAZAAAAGQAAAAAAAAAZAAAAGQAAAAVAAAAYAAAAAAAAAAAAAAADwAAACADAAAAAAAAAAAAAAEAAACgMgAAVgcAAKr4//8BAAAAf39/AAEAAABkAAAAAAAAABQAAABAHwAAAAAAACYAAAAAAAAAwOD//wAAAAAmAAAAZAAAABYAAABMAAAAAAAAAAAAAAAEAAAAAAAAAAEAAACAgIAKAAAAACgAAAAoAAAAZAAAAGQAAAAAAAAAzMzMAAAAAABQAAAAUAAAAGQAAABkAAAAAAAAABcAAAAUAAAAAAAAAAAAAAD/fwAA/38AAAAAAAAJAAAABAAAAAAAAAAeAAAAaAAAAAAAAAAAAAAAAAAAAAAAAAAAAAAAECcAABAnAAAAAAAAAAAAAAAAAAAAAAAAAAAAAAAAAAAAAAAAAAAAABQAAAAAAAAAwMD/AAAAAABkAAAAMgAAAAAAAABkAAAAAAAAAH9/fwAKAAAAIgAAABgAAAAAAAAAAAAAAAAAAAAAAAAAAAAAAAAAAAAkAAAAJAAAAAAAAAAHAAAAAAAAAAAAAAAAAAAAAAAAAAAAAAAAAAAAf39/ACUAAABYAAAAAAAAAAAAAAAAAAAAAAAAAAAAAAAAAAAAAAAAAAAAAAAAAAAAAAAAAAAAAAA/AAAAAAAAAKCGAQAAAAAAAAAAAAAAAAAMAAAAAQAAAAAAAAAAAAAAAAAAAB8AAABUAAAAAAAABQAAAAEAAAAAAAAAAAAAAAAAAAAAAAAAAAAAAAAAAAAAAAAAAAAAAAJ/f38AAAAAA8zMzADAwP8Af39/AAAAAAAAAAAAAAAAAAAAAAAAAAAAIQAAABgAAAAUAAAAwAMAABsnAAA/FQAAWSkAABAAAAAmAAAACAAAAAAAAAAAAAAAMAAAABQAAAAAAAAAAAD//wAAAQAAAP//AAABAA=="/>
               </a:ext>
             </a:extLst>
           </p:cNvSpPr>
@@ -1136,7 +1136,7 @@
           <a:lstStyle/>
           <a:p>
             <a:pPr/>
-            <a:fld id="{3D143AE0-AED0-41CC-9EAC-589974E2680D}" type="datetime1">
+            <a:fld id="{3DF9C84D-03D0-AC3E-9E41-F56B860F68A0}" type="datetime1">
               <a:t/>
             </a:fld>
           </a:p>
@@ -1149,7 +1149,7 @@
             <a:spLocks noGrp="1" noChangeArrowheads="1"/>
             <a:extLst>
               <a:ext uri="smNativeData">
-                <pr:smNativeData xmlns:pr="smNativeData" xmlns="smNativeData" val="SMDATA_16_yvWgZxMAAAAlAAAAZAAAAA8BAAAAkAAAAEgAAACQAAAASAAAAAAAAAABAAAAAAAAAAEAAABQAAAAAAAAAAAA4D8AAAAAAADgPwAAAAAAAOA/AAAAAAAA4D8AAAAAAADgPwAAAAAAAOA/AAAAAAAA4D8AAAAAAADgPwAAAAAAAOA/AAAAAAAA4D8CAAAAjAAAAAAAAAAAAAAAu+DjDP///wgAAAAAAAAAAAAAAAAAAAAAAAAAAAAAAAAAAAAAZAAAAAEAAABAAAAAAAAAAAAAAAAAAAAAAAAAAAAAAAAAAAAAAAAAAAAAAAAAAAAAAAAAAAAAAAAAAAAAAAAAAAAAAAAAAAAAAAAAAAAAAAAAAAAAAAAAAAAAAAAAAAAAFAAAADwAAAAAAAAAAAAAAAAAAAkUAAAAAQAAABQAAAAUAAAAFAAAAAEAAAAAAAAAZAAAAGQAAAAAAAAAZAAAAGQAAAAVAAAAYAAAAAAAAAAAAAAADwAAACADAAAAAAAAAAAAAAEAAACgMgAAVgcAAKr4//8BAAAAf39/AAEAAABkAAAAAAAAABQAAABAHwAAAAAAACYAAAAAAAAAwOD//wAAAAAmAAAAZAAAABYAAABMAAAAAAAAAAAAAAAEAAAAAAAAAAEAAACAgIAKAAAAACgAAAAoAAAAZAAAAGQAAAAAAAAAzMzMAAAAAABQAAAAUAAAAGQAAABkAAAAAAAAABcAAAAUAAAAAAAAAAAAAAD/fwAA/38AAAAAAAAJAAAABAAAANw7IAEeAAAAaAAAAAAAAAAAAAAAAAAAAAAAAAAAAAAAECcAABAnAAAAAAAAAAAAAAAAAAAAAAAAAAAAAAAAAAAAAAAAAAAAABQAAAAAAAAAwMD/AAAAAABkAAAAMgAAAAAAAABkAAAAAAAAAH9/fwAKAAAAIgAAABgAAAAAAAAAAAAAAAAAAAAAAAAAAAAAAAAAAAAkAAAAJAAAAAAAAAAHAAAAAAAAAAAAAAAAAAAAAAAAAAAAAAAAAAAAf39/ACUAAABYAAAAAAAAAAAAAAAAAAAAAAAAAAAAAAAAAAAAAAAAAAAAAAAAAAAAAAAAAAAAAAA/AAAAAAAAAKCGAQAAAAAAAAAAAAAAAAAMAAAAAQAAAAAAAAAAAAAAAAAAAB8AAABUAAAAAAAABQAAAAEAAAAAAAAAAAAAAAAAAAAAAAAAAAAAAAAAAAAAAAAAAAAAAAJ/f38AAAAAA8zMzADAwP8Af39/AAAAAAAAAAAAAAAAAAAAAAAAAAAAIQAAABgAAAAUAAAAoRkAABsnAABfMQAAWSkAABAAAAAmAAAACAAAAAAAAAAAAAAAMAAAABQAAAAAAAAAAAD//wAAAQAAAP//AAABAA=="/>
+                <pr:smNativeData xmlns:pr="smNativeData" xmlns="smNativeData" val="SMDATA_16_D/2gZxMAAAAlAAAAZAAAAA8BAAAAkAAAAEgAAACQAAAASAAAAAAAAAABAAAAAAAAAAEAAABQAAAAAAAAAAAA4D8AAAAAAADgPwAAAAAAAOA/AAAAAAAA4D8AAAAAAADgPwAAAAAAAOA/AAAAAAAA4D8AAAAAAADgPwAAAAAAAOA/AAAAAAAA4D8CAAAAjAAAAAAAAAAAAAAAu+DjDP///wgAAAAAAAAAAAAAAAAAAAAAAAAAAAAAAAAAAAAAZAAAAAEAAABAAAAAAAAAAAAAAAAAAAAAAAAAAAAAAAAAAAAAAAAAAAAAAAAAAAAAAAAAAAAAAAAAAAAAAAAAAAAAAAAAAAAAAAAAAAAAAAAAAAAAAAAAAAAAAAAAAAAAFAAAADwAAAAAAAAAAAAAAAAAAAkUAAAAAQAAABQAAAAUAAAAFAAAAAEAAAAAAAAAZAAAAGQAAAAAAAAAZAAAAGQAAAAVAAAAYAAAAAAAAAAAAAAADwAAACADAAAAAAAAAAAAAAEAAACgMgAAVgcAAKr4//8BAAAAf39/AAEAAABkAAAAAAAAABQAAABAHwAAAAAAACYAAAAAAAAAwOD//wAAAAAmAAAAZAAAABYAAABMAAAAAAAAAAAAAAAEAAAAAAAAAAEAAACAgIAKAAAAACgAAAAoAAAAZAAAAGQAAAAAAAAAzMzMAAAAAABQAAAAUAAAAGQAAABkAAAAAAAAABcAAAAUAAAAAAAAAAAAAAD/fwAA/38AAAAAAAAJAAAABAAAANw7IAEeAAAAaAAAAAAAAAAAAAAAAAAAAAAAAAAAAAAAECcAABAnAAAAAAAAAAAAAAAAAAAAAAAAAAAAAAAAAAAAAAAAAAAAABQAAAAAAAAAwMD/AAAAAABkAAAAMgAAAAAAAABkAAAAAAAAAH9/fwAKAAAAIgAAABgAAAAAAAAAAAAAAAAAAAAAAAAAAAAAAAAAAAAkAAAAJAAAAAAAAAAHAAAAAAAAAAAAAAAAAAAAAAAAAAAAAAAAAAAAf39/ACUAAABYAAAAAAAAAAAAAAAAAAAAAAAAAAAAAAAAAAAAAAAAAAAAAAAAAAAAAAAAAAAAAAA/AAAAAAAAAKCGAQAAAAAAAAAAAAAAAAAMAAAAAQAAAAAAAAAAAAAAAAAAAB8AAABUAAAAAAAABQAAAAEAAAAAAAAAAAAAAAAAAAAAAAAAAAAAAAAAAAAAAAAAAAAAAAJ/f38AAAAAA8zMzADAwP8Af39/AAAAAAAAAAAAAAAAAAAAAAAAAAAAIQAAABgAAAAUAAAAoRkAABsnAABfMQAAWSkAABAAAAAmAAAACAAAAAAAAAAAAAAAMAAAABQAAAAAAAAAAAD//wAAAQAAAP//AAABAA=="/>
               </a:ext>
             </a:extLst>
           </p:cNvSpPr>
@@ -1173,7 +1173,7 @@
             <a:spLocks noGrp="1" noChangeArrowheads="1"/>
             <a:extLst>
               <a:ext uri="smNativeData">
-                <pr:smNativeData xmlns:pr="smNativeData" xmlns="smNativeData" val="SMDATA_16_yvWgZxMAAAAlAAAAZAAAAA8BAAAAkAAAAEgAAACQAAAASAAAAAAAAAABAAAAAAAAAAEAAABQAAAAAAAAAAAA4D8AAAAAAADgPwAAAAAAAOA/AAAAAAAA4D8AAAAAAADgPwAAAAAAAOA/AAAAAAAA4D8AAAAAAADgPwAAAAAAAOA/AAAAAAAA4D8CAAAAjAAAAAAAAAAAAAAAu+DjDP///wgAAAAAAAAAAAAAAAAAAAAAAAAAAAAAAAAAAAAAZAAAAAEAAABAAAAAAAAAAAAAAAAAAAAAAAAAAAAAAAAAAAAAAAAAAAAAAAAAAAAAAAAAAAAAAAAAAAAAAAAAAAAAAAAAAAAAAAAAAAAAAAAAAAAAAAAAAAAAAAAAAAAAFAAAADwAAAAAAAAAAAAAAAAAAAkUAAAAAQAAABQAAAAUAAAAFAAAAAEAAAAAAAAAZAAAAGQAAAAAAAAAZAAAAGQAAAAVAAAAYAAAAAAAAAAAAAAADwAAACADAAAAAAAAAAAAAAEAAACgMgAAVgcAAKr4//8BAAAAf39/AAEAAABkAAAAAAAAABQAAABAHwAAAAAAACYAAAAAAAAAwOD//wAAAAAmAAAAZAAAABYAAABMAAAAAAAAAAAAAAAEAAAAAAAAAAEAAACAgIAKAAAAACgAAAAoAAAAZAAAAGQAAAAAAAAAzMzMAAAAAABQAAAAUAAAAGQAAABkAAAAAAAAABcAAAAUAAAAAAAAAAAAAAD/fwAA/38AAAAAAAAJAAAABAAAANw7IAEeAAAAaAAAAAAAAAAAAAAAAAAAAAAAAAAAAAAAECcAABAnAAAAAAAAAAAAAAAAAAAAAAAAAAAAAAAAAAAAAAAAAAAAABQAAAAAAAAAwMD/AAAAAABkAAAAMgAAAAAAAABkAAAAAAAAAH9/fwAKAAAAIgAAABgAAAAAAAAAAAAAAAAAAAAAAAAAAAAAAAAAAAAkAAAAJAAAAAAAAAAHAAAAAAAAAAAAAAAAAAAAAAAAAAAAAAAAAAAAf39/ACUAAABYAAAAAAAAAAAAAAAAAAAAAAAAAAAAAAAAAAAAAAAAAAAAAAAAAAAAAAAAAAAAAAA/AAAAAAAAAKCGAQAAAAAAAAAAAAAAAAAMAAAAAQAAAAAAAAAAAAAAAAAAAB8AAABUAAAAAAAABQAAAAEAAAAAAAAAAAAAAAAAAAAAAAAAAAAAAAAAAAAAAAAAAAAAAAJ/f38AAAAAA8zMzADAwP8Af39/AAAAAAAAAAAAAAAAAAAAAAAAAAAAIQAAABgAAAAUAAAAwTUAABsnAABARwAAWSkAABAAAAAmAAAACAAAAAAAAAAAAAAAMAAAABQAAAAAAAAAAAD//wAAAQAAAP//AAABAA=="/>
+                <pr:smNativeData xmlns:pr="smNativeData" xmlns="smNativeData" val="SMDATA_16_D/2gZxMAAAAlAAAAZAAAAA8BAAAAkAAAAEgAAACQAAAASAAAAAAAAAABAAAAAAAAAAEAAABQAAAAAAAAAAAA4D8AAAAAAADgPwAAAAAAAOA/AAAAAAAA4D8AAAAAAADgPwAAAAAAAOA/AAAAAAAA4D8AAAAAAADgPwAAAAAAAOA/AAAAAAAA4D8CAAAAjAAAAAAAAAAAAAAAu+DjDP///wgAAAAAAAAAAAAAAAAAAAAAAAAAAAAAAAAAAAAAZAAAAAEAAABAAAAAAAAAAAAAAAAAAAAAAAAAAAAAAAAAAAAAAAAAAAAAAAAAAAAAAAAAAAAAAAAAAAAAAAAAAAAAAAAAAAAAAAAAAAAAAAAAAAAAAAAAAAAAAAAAAAAAFAAAADwAAAAAAAAAAAAAAAAAAAkUAAAAAQAAABQAAAAUAAAAFAAAAAEAAAAAAAAAZAAAAGQAAAAAAAAAZAAAAGQAAAAVAAAAYAAAAAAAAAAAAAAADwAAACADAAAAAAAAAAAAAAEAAACgMgAAVgcAAKr4//8BAAAAf39/AAEAAABkAAAAAAAAABQAAABAHwAAAAAAACYAAAAAAAAAwOD//wAAAAAmAAAAZAAAABYAAABMAAAAAAAAAAAAAAAEAAAAAAAAAAEAAACAgIAKAAAAACgAAAAoAAAAZAAAAGQAAAAAAAAAzMzMAAAAAABQAAAAUAAAAGQAAABkAAAAAAAAABcAAAAUAAAAAAAAAAAAAAD/fwAA/38AAAAAAAAJAAAABAAAANw7IAEeAAAAaAAAAAAAAAAAAAAAAAAAAAAAAAAAAAAAECcAABAnAAAAAAAAAAAAAAAAAAAAAAAAAAAAAAAAAAAAAAAAAAAAABQAAAAAAAAAwMD/AAAAAABkAAAAMgAAAAAAAABkAAAAAAAAAH9/fwAKAAAAIgAAABgAAAAAAAAAAAAAAAAAAAAAAAAAAAAAAAAAAAAkAAAAJAAAAAAAAAAHAAAAAAAAAAAAAAAAAAAAAAAAAAAAAAAAAAAAf39/ACUAAABYAAAAAAAAAAAAAAAAAAAAAAAAAAAAAAAAAAAAAAAAAAAAAAAAAAAAAAAAAAAAAAA/AAAAAAAAAKCGAQAAAAAAAAAAAAAAAAAMAAAAAQAAAAAAAAAAAAAAAAAAAB8AAABUAAAAAAAABQAAAAEAAAAAAAAAAAAAAAAAAAAAAAAAAAAAAAAAAAAAAAAAAAAAAAJ/f38AAAAAA8zMzADAwP8Af39/AAAAAAAAAAAAAAAAAAAAAAAAAAAAIQAAABgAAAAUAAAAwTUAABsnAABARwAAWSkAABAAAAAmAAAACAAAAAAAAAAAAAAAMAAAABQAAAAAAAAAAAD//wAAAQAAAP//AAABAA=="/>
               </a:ext>
             </a:extLst>
           </p:cNvSpPr>
@@ -1187,7 +1187,7 @@
           <a:lstStyle/>
           <a:p>
             <a:pPr/>
-            <a:fld id="{3D140439-77D0-41F2-9EAC-81A74AE268D4}" type="slidenum">
+            <a:fld id="{3DF9D1A1-EFD0-AC27-9E41-19729F0F684C}" type="slidenum">
               <a:t/>
             </a:fld>
           </a:p>
@@ -1226,7 +1226,7 @@
             <a:spLocks noGrp="1" noChangeArrowheads="1"/>
             <a:extLst>
               <a:ext uri="smNativeData">
-                <pr:smNativeData xmlns:pr="smNativeData" xmlns="smNativeData" val="SMDATA_16_yvWgZxMAAAAlAAAAZAAAAA8BAAAAkAAAAEgAAACQAAAASAAAAAAAAAABAAAAAAAAAAEAAABQAAAAAAAAAAAA4D8AAAAAAADgPwAAAAAAAOA/AAAAAAAA4D8AAAAAAADgPwAAAAAAAOA/AAAAAAAA4D8AAAAAAADgPwAAAAAAAOA/AAAAAAAA4D8CAAAAjAAAAAAAAAAAAAAAu+DjDP///wgAAAAAAAAAAAAAAAAAAAAAAAAAAAAAAAAAAAAAZAAAAAEAAABAAAAAAAAAAAAAAAAAAAAAAAAAAAAAAAAAAAAAAAAAAAAAAAAAAAAAAAAAAAAAAAAAAAAAAAAAAAAAAAAAAAAAAAAAAAAAAAAAAAAAAAAAAAAAAAAAAAAAFAAAADwAAAAAAAAAAAAAAAAAAAkUAAAAAQAAABQAAAAUAAAAFAAAAAEAAAAAAAAAZAAAAGQAAAAAAAAAZAAAAGQAAAAVAAAAYAAAAAAAAAAAAAAADwAAACADAAAAAAAAAAAAAAEAAACgMgAAVgcAAKr4//8BAAAAf39/AAEAAABkAAAAAAAAABQAAABAHwAAAAAAACYAAAAAAAAAwOD//wAAAAAmAAAAZAAAABYAAABMAAAAAAAAAAAAAAAEAAAAAAAAAAEAAACAgIAKAAAAACgAAAAoAAAAZAAAAGQAAAAAAAAAzMzMAAAAAABQAAAAUAAAAGQAAABkAAAAAAAAABcAAAAUAAAAAAAAAAAAAAD/fwAA/38AAAAAAAAJAAAABAAAANw7IAEeAAAAaAAAAAAAAAAAAAAAAAAAAAAAAAAAAAAAECcAABAnAAAAAAAAAAAAAAAAAAAAAAAAAAAAAAAAAAAAAAAAAAAAABQAAAAAAAAAwMD/AAAAAABkAAAAMgAAAAAAAABkAAAAAAAAAH9/fwAKAAAAIgAAABgAAAAAAAAAAAAAAAAAAAAAAAAAAAAAAAAAAAAkAAAAJAAAAAAAAAAHAAAAAAAAAAAAAAAAAAAAAAAAAAAAAAAAAAAAf39/ACUAAABYAAAAAAAAAAAAAAAAAAAAAAAAAAAAAAAAAAAAAAAAAAAAAAAAAAAAAAAAAAAAAAA/AAAAAAAAAKCGAQAAAAAAAAAAAAAAAAAMAAAAAQAAAAAAAAAAAAAAAAAAAB8AAABUAAAAAAAABQAAAAEAAAAAAAAAAAAAAAAAAAAAAAAAAAAAAAAAAAAAAAAAAAAAAAJ/f38AAAAAA8zMzADAwP8Af39/AAAAAAAAAAAAAAAAAAAAAAAAAAAAIQAAABgAAAAUAAAAwAMAALABAABARwAAuAgAABAAAAAmAAAACAAAAAAAAAAAAAAAMAAAABQAAAAAAAAAAAD//wAAAQAAAP//AAABAA=="/>
+                <pr:smNativeData xmlns:pr="smNativeData" xmlns="smNativeData" val="SMDATA_16_D/2gZxMAAAAlAAAAZAAAAA8BAAAAkAAAAEgAAACQAAAASAAAAAAAAAABAAAAAAAAAAEAAABQAAAAAAAAAAAA4D8AAAAAAADgPwAAAAAAAOA/AAAAAAAA4D8AAAAAAADgPwAAAAAAAOA/AAAAAAAA4D8AAAAAAADgPwAAAAAAAOA/AAAAAAAA4D8CAAAAjAAAAAAAAAAAAAAAu+DjDP///wgAAAAAAAAAAAAAAAAAAAAAAAAAAAAAAAAAAAAAZAAAAAEAAABAAAAAAAAAAAAAAAAAAAAAAAAAAAAAAAAAAAAAAAAAAAAAAAAAAAAAAAAAAAAAAAAAAAAAAAAAAAAAAAAAAAAAAAAAAAAAAAAAAAAAAAAAAAAAAAAAAAAAFAAAADwAAAAAAAAAAAAAAAAAAAkUAAAAAQAAABQAAAAUAAAAFAAAAAEAAAAAAAAAZAAAAGQAAAAAAAAAZAAAAGQAAAAVAAAAYAAAAAAAAAAAAAAADwAAACADAAAAAAAAAAAAAAEAAACgMgAAVgcAAKr4//8BAAAAf39/AAEAAABkAAAAAAAAABQAAABAHwAAAAAAACYAAAAAAAAAwOD//wAAAAAmAAAAZAAAABYAAABMAAAAAAAAAAAAAAAEAAAAAAAAAAEAAACAgIAKAAAAACgAAAAoAAAAZAAAAGQAAAAAAAAAzMzMAAAAAABQAAAAUAAAAGQAAABkAAAAAAAAABcAAAAUAAAAAAAAAAAAAAD/fwAA/38AAAAAAAAJAAAABAAAANw7IAEeAAAAaAAAAAAAAAAAAAAAAAAAAAAAAAAAAAAAECcAABAnAAAAAAAAAAAAAAAAAAAAAAAAAAAAAAAAAAAAAAAAAAAAABQAAAAAAAAAwMD/AAAAAABkAAAAMgAAAAAAAABkAAAAAAAAAH9/fwAKAAAAIgAAABgAAAAAAAAAAAAAAAAAAAAAAAAAAAAAAAAAAAAkAAAAJAAAAAAAAAAHAAAAAAAAAAAAAAAAAAAAAAAAAAAAAAAAAAAAf39/ACUAAABYAAAAAAAAAAAAAAAAAAAAAAAAAAAAAAAAAAAAAAAAAAAAAAAAAAAAAAAAAAAAAAA/AAAAAAAAAKCGAQAAAAAAAAAAAAAAAAAMAAAAAQAAAAAAAAAAAAAAAAAAAB8AAABUAAAAAAAABQAAAAEAAAAAAAAAAAAAAAAAAAAAAAAAAAAAAAAAAAAAAAAAAAAAAAJ/f38AAAAAA8zMzADAwP8Af39/AAAAAAAAAAAAAAAAAAAAAAAAAAAAIQAAABgAAAAUAAAAwAMAALABAABARwAAuAgAABAAAAAmAAAACAAAAAAAAAAAAAAAMAAAABQAAAAAAAAAAAD//wAAAQAAAP//AAABAA=="/>
               </a:ext>
             </a:extLst>
           </p:cNvSpPr>
@@ -1253,7 +1253,7 @@
             <a:spLocks noGrp="1" noChangeArrowheads="1"/>
             <a:extLst>
               <a:ext uri="smNativeData">
-                <pr:smNativeData xmlns:pr="smNativeData" xmlns="smNativeData" val="SMDATA_16_yvWgZxMAAAAlAAAAZAAAAA8BAAAAkAAAAEgAAACQAAAASAAAAAAAAAAAAAAAAAAAAAEAAABQAAAAAAAAAAAA4D8AAAAAAADgPwAAAAAAAOA/AAAAAAAA4D8AAAAAAADgPwAAAAAAAOA/AAAAAAAA4D8AAAAAAADgPwAAAAAAAOA/AAAAAAAA4D8CAAAAjAAAAAAAAAAAAAAAu+DjDP///wgAAAAAAAAAAAAAAAAAAAAAAAAAAAAAAAAAAAAAZAAAAAEAAABAAAAAAAAAAAAAAAAAAAAAAAAAAAAAAAAAAAAAAAAAAAAAAAAAAAAAAAAAAAAAAAAAAAAAAAAAAAAAAAAAAAAAAAAAAAAAAAAAAAAAAAAAAAAAAAAAAAAAFAAAADwAAAAAAAAAAAAAAAAAAAkUAAAAAQAAABQAAAAUAAAAFAAAAAEAAAAAAAAAZAAAAGQAAAAAAAAAZAAAAGQAAAAVAAAAYAAAAAAAAAAAAAAADwAAACADAAAAAAAAAAAAAAEAAACgMgAAVgcAAKr4//8BAAAAf39/AAEAAABkAAAAAAAAABQAAABAHwAAAAAAACYAAAAAAAAAwOD//wAAAAAmAAAAZAAAABYAAABMAAAAAAAAAAAAAAAEAAAAAAAAAAEAAACAgIAKAAAAACgAAAAoAAAAZAAAAGQAAAAAAAAAzMzMAAAAAABQAAAAUAAAAGQAAABkAAAAAAAAABcAAAAUAAAAAAAAAAAAAAD/fwAA/38AAAAAAAAJAAAABAAAANw7IAEeAAAAaAAAAAAAAAAAAAAAAAAAAAAAAAAAAAAAECcAABAnAAAAAAAAAAAAAAAAAAAAAAAAAAAAAAAAAAAAAAAAAAAAABQAAAAAAAAAwMD/AAAAAABkAAAAMgAAAAAAAABkAAAAAAAAAH9/fwAKAAAAIgAAABgAAAAAAAAAAAAAAAAAAAAAAAAAAAAAAAAAAAAkAAAAJAAAAAAAAAAHAAAAAAAAAAAAAAAAAAAAAAAAAAAAAAAAAAAAf39/ACUAAABYAAAAAAAAAAAAAAAAAAAAAAAAAAAAAAAAAAAAAAAAAAAAAAAAAAAAAAAAAAAAAAA/AAAAAAAAAKCGAQAAAAAAAAAAAAAAAAAMAAAAAQAAAAAAAAAAAAAAAAAAAB8AAABUAAAAAAAABQAAAAEAAAAAAAAAAAAAAAAAAAAAAAAAAAAAAAAAAAAAAAAAAAAAAAJ/f38AAAAAA8zMzADAwP8Af39/AAAAAAAAAAAAAAAAAAAAAAAAAAAAIQAAABgAAAAUAAAAwAMAANgJAADhJAAAsCUAABAAAAAmAAAACAAAAAGAAAAAAAAAMAAAABQAAAAAAAAAAAD//wAAAQAAAP//AAABAA=="/>
+                <pr:smNativeData xmlns:pr="smNativeData" xmlns="smNativeData" val="SMDATA_16_D/2gZxMAAAAlAAAAZAAAAA8BAAAAkAAAAEgAAACQAAAASAAAAAAAAAAAAAAAAAAAAAEAAABQAAAAAAAAAAAA4D8AAAAAAADgPwAAAAAAAOA/AAAAAAAA4D8AAAAAAADgPwAAAAAAAOA/AAAAAAAA4D8AAAAAAADgPwAAAAAAAOA/AAAAAAAA4D8CAAAAjAAAAAAAAAAAAAAAu+DjDP///wgAAAAAAAAAAAAAAAAAAAAAAAAAAAAAAAAAAAAAZAAAAAEAAABAAAAAAAAAAAAAAAAAAAAAAAAAAAAAAAAAAAAAAAAAAAAAAAAAAAAAAAAAAAAAAAAAAAAAAAAAAAAAAAAAAAAAAAAAAAAAAAAAAAAAAAAAAAAAAAAAAAAAFAAAADwAAAAAAAAAAAAAAAAAAAkUAAAAAQAAABQAAAAUAAAAFAAAAAEAAAAAAAAAZAAAAGQAAAAAAAAAZAAAAGQAAAAVAAAAYAAAAAAAAAAAAAAADwAAACADAAAAAAAAAAAAAAEAAACgMgAAVgcAAKr4//8BAAAAf39/AAEAAABkAAAAAAAAABQAAABAHwAAAAAAACYAAAAAAAAAwOD//wAAAAAmAAAAZAAAABYAAABMAAAAAAAAAAAAAAAEAAAAAAAAAAEAAACAgIAKAAAAACgAAAAoAAAAZAAAAGQAAAAAAAAAzMzMAAAAAABQAAAAUAAAAGQAAABkAAAAAAAAABcAAAAUAAAAAAAAAAAAAAD/fwAA/38AAAAAAAAJAAAABAAAANw7IAEeAAAAaAAAAAAAAAAAAAAAAAAAAAAAAAAAAAAAECcAABAnAAAAAAAAAAAAAAAAAAAAAAAAAAAAAAAAAAAAAAAAAAAAABQAAAAAAAAAwMD/AAAAAABkAAAAMgAAAAAAAABkAAAAAAAAAH9/fwAKAAAAIgAAABgAAAAAAAAAAAAAAAAAAAAAAAAAAAAAAAAAAAAkAAAAJAAAAAAAAAAHAAAAAAAAAAAAAAAAAAAAAAAAAAAAAAAAAAAAf39/ACUAAABYAAAAAAAAAAAAAAAAAAAAAAAAAAAAAAAAAAAAAAAAAAAAAAAAAAAAAAAAAAAAAAA/AAAAAAAAAKCGAQAAAAAAAAAAAAAAAAAMAAAAAQAAAAAAAAAAAAAAAAAAAB8AAABUAAAAAAAABQAAAAEAAAAAAAAAAAAAAAAAAAAAAAAAAAAAAAAAAAAAAAAAAAAAAAJ/f38AAAAAA8zMzADAwP8Af39/AAAAAAAAAAAAAAAAAAAAAAAAAAAAIQAAABgAAAAUAAAAwAMAANgJAADhJAAAsCUAABAAAAAmAAAACAAAAAGAAAAAAAAAMAAAABQAAAAAAAAAAAD//wAAAQAAAP//AAABAA=="/>
               </a:ext>
             </a:extLst>
           </p:cNvSpPr>
@@ -1337,7 +1337,7 @@
             <a:spLocks noGrp="1" noChangeArrowheads="1"/>
             <a:extLst>
               <a:ext uri="smNativeData">
-                <pr:smNativeData xmlns:pr="smNativeData" xmlns="smNativeData" val="SMDATA_16_yvWgZxMAAAAlAAAAZAAAAA8BAAAAkAAAAEgAAACQAAAASAAAAAAAAAAAAAAAAAAAAAEAAABQAAAAAAAAAAAA4D8AAAAAAADgPwAAAAAAAOA/AAAAAAAA4D8AAAAAAADgPwAAAAAAAOA/AAAAAAAA4D8AAAAAAADgPwAAAAAAAOA/AAAAAAAA4D8CAAAAjAAAAAAAAAAAAAAAu+DjDP///wgAAAAAAAAAAAAAAAAAAAAAAAAAAAAAAAAAAAAAZAAAAAEAAABAAAAAAAAAAAAAAAAAAAAAAAAAAAAAAAAAAAAAAAAAAAAAAAAAAAAAAAAAAAAAAAAAAAAAAAAAAAAAAAAAAAAAAAAAAAAAAAAAAAAAAAAAAAAAAAAAAAAAFAAAADwAAAAAAAAAAAAAAAAAAAkUAAAAAQAAABQAAAAUAAAAFAAAAAEAAAAAAAAAZAAAAGQAAAAAAAAAZAAAAGQAAAAVAAAAYAAAAAAAAAAAAAAADwAAACADAAAAAAAAAAAAAAEAAACgMgAAVgcAAKr4//8BAAAAf39/AAEAAABkAAAAAAAAABQAAABAHwAAAAAAACYAAAAAAAAAwOD//wAAAAAmAAAAZAAAABYAAABMAAAAAAAAAAAAAAAEAAAAAAAAAAEAAACAgIAKAAAAACgAAAAoAAAAZAAAAGQAAAAAAAAAzMzMAAAAAABQAAAAUAAAAGQAAABkAAAAAAAAABcAAAAUAAAAAAAAAAAAAAD/fwAA/38AAAAAAAAJAAAABAAAANw7IAEeAAAAaAAAAAAAAAAAAAAAAAAAAAAAAAAAAAAAECcAABAnAAAAAAAAAAAAAAAAAAAAAAAAAAAAAAAAAAAAAAAAAAAAABQAAAAAAAAAwMD/AAAAAABkAAAAMgAAAAAAAABkAAAAAAAAAH9/fwAKAAAAIgAAABgAAAAAAAAAAAAAAAAAAAAAAAAAAAAAAAAAAAAkAAAAJAAAAAAAAAAHAAAAAAAAAAAAAAAAAAAAAAAAAAAAAAAAAAAAf39/ACUAAABYAAAAAAAAAAAAAAAAAAAAAAAAAAAAAAAAAAAAAAAAAAAAAAAAAAAAAAAAAAAAAAA/AAAAAAAAAKCGAQAAAAAAAAAAAAAAAAAMAAAAAQAAAAAAAAAAAAAAAAAAAB8AAABUAAAAAAAABQAAAAEAAAAAAAAAAAAAAAAAAAAAAAAAAAAAAAAAAAAAAAAAAAAAAAJ/f38AAAAAA8zMzADAwP8Af39/AAAAAAAAAAAAAAAAAAAAAAAAAAAAIQAAABgAAAAUAAAAHyYAANgJAABARwAAsCUAABAAAAAmAAAACAAAAAGAAAAAAAAAMAAAABQAAAAAAAAAAAD//wAAAQAAAP//AAABAA=="/>
+                <pr:smNativeData xmlns:pr="smNativeData" xmlns="smNativeData" val="SMDATA_16_D/2gZxMAAAAlAAAAZAAAAA8BAAAAkAAAAEgAAACQAAAASAAAAAAAAAAAAAAAAAAAAAEAAABQAAAAAAAAAAAA4D8AAAAAAADgPwAAAAAAAOA/AAAAAAAA4D8AAAAAAADgPwAAAAAAAOA/AAAAAAAA4D8AAAAAAADgPwAAAAAAAOA/AAAAAAAA4D8CAAAAjAAAAAAAAAAAAAAAu+DjDP///wgAAAAAAAAAAAAAAAAAAAAAAAAAAAAAAAAAAAAAZAAAAAEAAABAAAAAAAAAAAAAAAAAAAAAAAAAAAAAAAAAAAAAAAAAAAAAAAAAAAAAAAAAAAAAAAAAAAAAAAAAAAAAAAAAAAAAAAAAAAAAAAAAAAAAAAAAAAAAAAAAAAAAFAAAADwAAAAAAAAAAAAAAAAAAAkUAAAAAQAAABQAAAAUAAAAFAAAAAEAAAAAAAAAZAAAAGQAAAAAAAAAZAAAAGQAAAAVAAAAYAAAAAAAAAAAAAAADwAAACADAAAAAAAAAAAAAAEAAACgMgAAVgcAAKr4//8BAAAAf39/AAEAAABkAAAAAAAAABQAAABAHwAAAAAAACYAAAAAAAAAwOD//wAAAAAmAAAAZAAAABYAAABMAAAAAAAAAAAAAAAEAAAAAAAAAAEAAACAgIAKAAAAACgAAAAoAAAAZAAAAGQAAAAAAAAAzMzMAAAAAABQAAAAUAAAAGQAAABkAAAAAAAAABcAAAAUAAAAAAAAAAAAAAD/fwAA/38AAAAAAAAJAAAABAAAANw7IAEeAAAAaAAAAAAAAAAAAAAAAAAAAAAAAAAAAAAAECcAABAnAAAAAAAAAAAAAAAAAAAAAAAAAAAAAAAAAAAAAAAAAAAAABQAAAAAAAAAwMD/AAAAAABkAAAAMgAAAAAAAABkAAAAAAAAAH9/fwAKAAAAIgAAABgAAAAAAAAAAAAAAAAAAAAAAAAAAAAAAAAAAAAkAAAAJAAAAAAAAAAHAAAAAAAAAAAAAAAAAAAAAAAAAAAAAAAAAAAAf39/ACUAAABYAAAAAAAAAAAAAAAAAAAAAAAAAAAAAAAAAAAAAAAAAAAAAAAAAAAAAAAAAAAAAAA/AAAAAAAAAKCGAQAAAAAAAAAAAAAAAAAMAAAAAQAAAAAAAAAAAAAAAAAAAB8AAABUAAAAAAAABQAAAAEAAAAAAAAAAAAAAAAAAAAAAAAAAAAAAAAAAAAAAAAAAAAAAAJ/f38AAAAAA8zMzADAwP8Af39/AAAAAAAAAAAAAAAAAAAAAAAAAAAAIQAAABgAAAAUAAAAHyYAANgJAABARwAAsCUAABAAAAAmAAAACAAAAAGAAAAAAAAAMAAAABQAAAAAAAAAAAD//wAAAQAAAP//AAABAA=="/>
               </a:ext>
             </a:extLst>
           </p:cNvSpPr>
@@ -1421,7 +1421,7 @@
             <a:spLocks noGrp="1" noChangeArrowheads="1"/>
             <a:extLst>
               <a:ext uri="smNativeData">
-                <pr:smNativeData xmlns:pr="smNativeData" xmlns="smNativeData" val="SMDATA_16_yvWgZxMAAAAlAAAAZAAAAA8BAAAAkAAAAEgAAACQAAAASAAAAAAAAAABAAAAAAAAAAEAAABQAAAAAAAAAAAA4D8AAAAAAADgPwAAAAAAAOA/AAAAAAAA4D8AAAAAAADgPwAAAAAAAOA/AAAAAAAA4D8AAAAAAADgPwAAAAAAAOA/AAAAAAAA4D8CAAAAjAAAAAAAAAAAAAAAu+DjDP///wgAAAAAAAAAAAAAAAAAAAAAAAAAAAAAAAAAAAAAZAAAAAEAAABAAAAAAAAAAAAAAAAAAAAAAAAAAAAAAAAAAAAAAAAAAAAAAAAAAAAAAAAAAAAAAAAAAAAAAAAAAAAAAAAAAAAAAAAAAAAAAAAAAAAAAAAAAAAAAAAAAAAAFAAAADwAAAAAAAAAAAAAAAAAAAkUAAAAAQAAABQAAAAUAAAAFAAAAAEAAAAAAAAAZAAAAGQAAAAAAAAAZAAAAGQAAAAVAAAAYAAAAAAAAAAAAAAADwAAACADAAAAAAAAAAAAAAEAAACgMgAAVgcAAKr4//8BAAAAf39/AAEAAABkAAAAAAAAABQAAABAHwAAAAAAACYAAAAAAAAAwOD//wAAAAAmAAAAZAAAABYAAABMAAAAAAAAAAAAAAAEAAAAAAAAAAEAAACAgIAKAAAAACgAAAAoAAAAZAAAAGQAAAAAAAAAzMzMAAAAAABQAAAAUAAAAGQAAABkAAAAAAAAABcAAAAUAAAAAAAAAAAAAAD/fwAA/38AAAAAAAAJAAAABAAAANw7IAEeAAAAaAAAAAAAAAAAAAAAAAAAAAAAAAAAAAAAECcAABAnAAAAAAAAAAAAAAAAAAAAAAAAAAAAAAAAAAAAAAAAAAAAABQAAAAAAAAAwMD/AAAAAABkAAAAMgAAAAAAAABkAAAAAAAAAH9/fwAKAAAAIgAAABgAAAAAAAAAAAAAAAAAAAAAAAAAAAAAAAAAAAAkAAAAJAAAAAAAAAAHAAAAAAAAAAAAAAAAAAAAAAAAAAAAAAAAAAAAf39/ACUAAABYAAAAAAAAAAAAAAAAAAAAAAAAAAAAAAAAAAAAAAAAAAAAAAAAAAAAAAAAAAAAAAA/AAAAAAAAAKCGAQAAAAAAAAAAAAAAAAAMAAAAAQAAAAAAAAAAAAAAAAAAAB8AAABUAAAAAAAABQAAAAEAAAAAAAAAAAAAAAAAAAAAAAAAAAAAAAAAAAAAAAAAAAAAAAJ/f38AAAAAA8zMzADAwP8Af39/AAAAAAAAAAAAAAAAAAAAAAAAAAAAIQAAABgAAAAUAAAAwAMAABsnAAA/FQAAWSkAABAAAAAmAAAACAAAAAAAAAAAAAAAMAAAABQAAAAAAAAAAAD//wAAAQAAAP//AAABAA=="/>
+                <pr:smNativeData xmlns:pr="smNativeData" xmlns="smNativeData" val="SMDATA_16_D/2gZxMAAAAlAAAAZAAAAA8BAAAAkAAAAEgAAACQAAAASAAAAAAAAAABAAAAAAAAAAEAAABQAAAAAAAAAAAA4D8AAAAAAADgPwAAAAAAAOA/AAAAAAAA4D8AAAAAAADgPwAAAAAAAOA/AAAAAAAA4D8AAAAAAADgPwAAAAAAAOA/AAAAAAAA4D8CAAAAjAAAAAAAAAAAAAAAu+DjDP///wgAAAAAAAAAAAAAAAAAAAAAAAAAAAAAAAAAAAAAZAAAAAEAAABAAAAAAAAAAAAAAAAAAAAAAAAAAAAAAAAAAAAAAAAAAAAAAAAAAAAAAAAAAAAAAAAAAAAAAAAAAAAAAAAAAAAAAAAAAAAAAAAAAAAAAAAAAAAAAAAAAAAAFAAAADwAAAAAAAAAAAAAAAAAAAkUAAAAAQAAABQAAAAUAAAAFAAAAAEAAAAAAAAAZAAAAGQAAAAAAAAAZAAAAGQAAAAVAAAAYAAAAAAAAAAAAAAADwAAACADAAAAAAAAAAAAAAEAAACgMgAAVgcAAKr4//8BAAAAf39/AAEAAABkAAAAAAAAABQAAABAHwAAAAAAACYAAAAAAAAAwOD//wAAAAAmAAAAZAAAABYAAABMAAAAAAAAAAAAAAAEAAAAAAAAAAEAAACAgIAKAAAAACgAAAAoAAAAZAAAAGQAAAAAAAAAzMzMAAAAAABQAAAAUAAAAGQAAABkAAAAAAAAABcAAAAUAAAAAAAAAAAAAAD/fwAA/38AAAAAAAAJAAAABAAAANw7IAEeAAAAaAAAAAAAAAAAAAAAAAAAAAAAAAAAAAAAECcAABAnAAAAAAAAAAAAAAAAAAAAAAAAAAAAAAAAAAAAAAAAAAAAABQAAAAAAAAAwMD/AAAAAABkAAAAMgAAAAAAAABkAAAAAAAAAH9/fwAKAAAAIgAAABgAAAAAAAAAAAAAAAAAAAAAAAAAAAAAAAAAAAAkAAAAJAAAAAAAAAAHAAAAAAAAAAAAAAAAAAAAAAAAAAAAAAAAAAAAf39/ACUAAABYAAAAAAAAAAAAAAAAAAAAAAAAAAAAAAAAAAAAAAAAAAAAAAAAAAAAAAAAAAAAAAA/AAAAAAAAAKCGAQAAAAAAAAAAAAAAAAAMAAAAAQAAAAAAAAAAAAAAAAAAAB8AAABUAAAAAAAABQAAAAEAAAAAAAAAAAAAAAAAAAAAAAAAAAAAAAAAAAAAAAAAAAAAAAJ/f38AAAAAA8zMzADAwP8Af39/AAAAAAAAAAAAAAAAAAAAAAAAAAAAIQAAABgAAAAUAAAAwAMAABsnAAA/FQAAWSkAABAAAAAmAAAACAAAAAAAAAAAAAAAMAAAABQAAAAAAAAAAAD//wAAAQAAAP//AAABAA=="/>
               </a:ext>
             </a:extLst>
           </p:cNvSpPr>
@@ -1435,7 +1435,7 @@
           <a:lstStyle/>
           <a:p>
             <a:pPr/>
-            <a:fld id="{3D141E4A-04D0-41E8-9EAC-F2BD50E268A7}" type="datetime1">
+            <a:fld id="{3DF9B9B5-FBD0-AC4F-9E41-0D1AF70F6858}" type="datetime1">
               <a:t/>
             </a:fld>
           </a:p>
@@ -1448,7 +1448,7 @@
             <a:spLocks noGrp="1" noChangeArrowheads="1"/>
             <a:extLst>
               <a:ext uri="smNativeData">
-                <pr:smNativeData xmlns:pr="smNativeData" xmlns="smNativeData" val="SMDATA_16_yvWgZxMAAAAlAAAAZAAAAA8BAAAAkAAAAEgAAACQAAAASAAAAAAAAAABAAAAAAAAAAEAAABQAAAAAAAAAAAA4D8AAAAAAADgPwAAAAAAAOA/AAAAAAAA4D8AAAAAAADgPwAAAAAAAOA/AAAAAAAA4D8AAAAAAADgPwAAAAAAAOA/AAAAAAAA4D8CAAAAjAAAAAAAAAAAAAAAu+DjDP///wgAAAAAAAAAAAAAAAAAAAAAAAAAAAAAAAAAAAAAZAAAAAEAAABAAAAAAAAAAAAAAAAAAAAAAAAAAAAAAAAAAAAAAAAAAAAAAAAAAAAAAAAAAAAAAAAAAAAAAAAAAAAAAAAAAAAAAAAAAAAAAAAAAAAAAAAAAAAAAAAAAAAAFAAAADwAAAAAAAAAAAAAAAAAAAkUAAAAAQAAABQAAAAUAAAAFAAAAAEAAAAAAAAAZAAAAGQAAAAAAAAAZAAAAGQAAAAVAAAAYAAAAAAAAAAAAAAADwAAACADAAAAAAAAAAAAAAEAAACgMgAAVgcAAKr4//8BAAAAf39/AAEAAABkAAAAAAAAABQAAABAHwAAAAAAACYAAAAAAAAAwOD//wAAAAAmAAAAZAAAABYAAABMAAAAAAAAAAAAAAAEAAAAAAAAAAEAAACAgIAKAAAAACgAAAAoAAAAZAAAAGQAAAAAAAAAzMzMAAAAAABQAAAAUAAAAGQAAABkAAAAAAAAABcAAAAUAAAAAAAAAAAAAAD/fwAA/38AAAAAAAAJAAAABAAAANw7IAEeAAAAaAAAAAAAAAAAAAAAAAAAAAAAAAAAAAAAECcAABAnAAAAAAAAAAAAAAAAAAAAAAAAAAAAAAAAAAAAAAAAAAAAABQAAAAAAAAAwMD/AAAAAABkAAAAMgAAAAAAAABkAAAAAAAAAH9/fwAKAAAAIgAAABgAAAAAAAAAAAAAAAAAAAAAAAAAAAAAAAAAAAAkAAAAJAAAAAAAAAAHAAAAAAAAAAAAAAAAAAAAAAAAAAAAAAAAAAAAf39/ACUAAABYAAAAAAAAAAAAAAAAAAAAAAAAAAAAAAAAAAAAAAAAAAAAAAAAAAAAAAAAAAAAAAA/AAAAAAAAAKCGAQAAAAAAAAAAAAAAAAAMAAAAAQAAAAAAAAAAAAAAAAAAAB8AAABUAAAAAAAABQAAAAEAAAAAAAAAAAAAAAAAAAAAAAAAAAAAAAAAAAAAAAAAAAAAAAJ/f38AAAAAA8zMzADAwP8Af39/AAAAAAAAAAAAAAAAAAAAAAAAAAAAIQAAABgAAAAUAAAAoRkAABsnAABfMQAAWSkAABAAAAAmAAAACAAAAAAAAAAAAAAAMAAAABQAAAAAAAAAAAD//wAAAQAAAP//AAABAA=="/>
+                <pr:smNativeData xmlns:pr="smNativeData" xmlns="smNativeData" val="SMDATA_16_D/2gZxMAAAAlAAAAZAAAAA8BAAAAkAAAAEgAAACQAAAASAAAAAAAAAABAAAAAAAAAAEAAABQAAAAAAAAAAAA4D8AAAAAAADgPwAAAAAAAOA/AAAAAAAA4D8AAAAAAADgPwAAAAAAAOA/AAAAAAAA4D8AAAAAAADgPwAAAAAAAOA/AAAAAAAA4D8CAAAAjAAAAAAAAAAAAAAAu+DjDP///wgAAAAAAAAAAAAAAAAAAAAAAAAAAAAAAAAAAAAAZAAAAAEAAABAAAAAAAAAAAAAAAAAAAAAAAAAAAAAAAAAAAAAAAAAAAAAAAAAAAAAAAAAAAAAAAAAAAAAAAAAAAAAAAAAAAAAAAAAAAAAAAAAAAAAAAAAAAAAAAAAAAAAFAAAADwAAAAAAAAAAAAAAAAAAAkUAAAAAQAAABQAAAAUAAAAFAAAAAEAAAAAAAAAZAAAAGQAAAAAAAAAZAAAAGQAAAAVAAAAYAAAAAAAAAAAAAAADwAAACADAAAAAAAAAAAAAAEAAACgMgAAVgcAAKr4//8BAAAAf39/AAEAAABkAAAAAAAAABQAAABAHwAAAAAAACYAAAAAAAAAwOD//wAAAAAmAAAAZAAAABYAAABMAAAAAAAAAAAAAAAEAAAAAAAAAAEAAACAgIAKAAAAACgAAAAoAAAAZAAAAGQAAAAAAAAAzMzMAAAAAABQAAAAUAAAAGQAAABkAAAAAAAAABcAAAAUAAAAAAAAAAAAAAD/fwAA/38AAAAAAAAJAAAABAAAANw7IAEeAAAAaAAAAAAAAAAAAAAAAAAAAAAAAAAAAAAAECcAABAnAAAAAAAAAAAAAAAAAAAAAAAAAAAAAAAAAAAAAAAAAAAAABQAAAAAAAAAwMD/AAAAAABkAAAAMgAAAAAAAABkAAAAAAAAAH9/fwAKAAAAIgAAABgAAAAAAAAAAAAAAAAAAAAAAAAAAAAAAAAAAAAkAAAAJAAAAAAAAAAHAAAAAAAAAAAAAAAAAAAAAAAAAAAAAAAAAAAAf39/ACUAAABYAAAAAAAAAAAAAAAAAAAAAAAAAAAAAAAAAAAAAAAAAAAAAAAAAAAAAAAAAAAAAAA/AAAAAAAAAKCGAQAAAAAAAAAAAAAAAAAMAAAAAQAAAAAAAAAAAAAAAAAAAB8AAABUAAAAAAAABQAAAAEAAAAAAAAAAAAAAAAAAAAAAAAAAAAAAAAAAAAAAAAAAAAAAAJ/f38AAAAAA8zMzADAwP8Af39/AAAAAAAAAAAAAAAAAAAAAAAAAAAAIQAAABgAAAAUAAAAoRkAABsnAABfMQAAWSkAABAAAAAmAAAACAAAAAAAAAAAAAAAMAAAABQAAAAAAAAAAAD//wAAAQAAAP//AAABAA=="/>
               </a:ext>
             </a:extLst>
           </p:cNvSpPr>
@@ -1472,7 +1472,7 @@
             <a:spLocks noGrp="1" noChangeArrowheads="1"/>
             <a:extLst>
               <a:ext uri="smNativeData">
-                <pr:smNativeData xmlns:pr="smNativeData" xmlns="smNativeData" val="SMDATA_16_yvWgZxMAAAAlAAAAZAAAAA8BAAAAkAAAAEgAAACQAAAASAAAAAAAAAABAAAAAAAAAAEAAABQAAAAAAAAAAAA4D8AAAAAAADgPwAAAAAAAOA/AAAAAAAA4D8AAAAAAADgPwAAAAAAAOA/AAAAAAAA4D8AAAAAAADgPwAAAAAAAOA/AAAAAAAA4D8CAAAAjAAAAAAAAAAAAAAAu+DjDP///wgAAAAAAAAAAAAAAAAAAAAAAAAAAAAAAAAAAAAAZAAAAAEAAABAAAAAAAAAAAAAAAAAAAAAAAAAAAAAAAAAAAAAAAAAAAAAAAAAAAAAAAAAAAAAAAAAAAAAAAAAAAAAAAAAAAAAAAAAAAAAAAAAAAAAAAAAAAAAAAAAAAAAFAAAADwAAAAAAAAAAAAAAAAAAAkUAAAAAQAAABQAAAAUAAAAFAAAAAEAAAAAAAAAZAAAAGQAAAAAAAAAZAAAAGQAAAAVAAAAYAAAAAAAAAAAAAAADwAAACADAAAAAAAAAAAAAAEAAACgMgAAVgcAAKr4//8BAAAAf39/AAEAAABkAAAAAAAAABQAAABAHwAAAAAAACYAAAAAAAAAwOD//wAAAAAmAAAAZAAAABYAAABMAAAAAAAAAAAAAAAEAAAAAAAAAAEAAACAgIAKAAAAACgAAAAoAAAAZAAAAGQAAAAAAAAAzMzMAAAAAABQAAAAUAAAAGQAAABkAAAAAAAAABcAAAAUAAAAAAAAAAAAAAD/fwAA/38AAAAAAAAJAAAABAAAANw7IAEeAAAAaAAAAAAAAAAAAAAAAAAAAAAAAAAAAAAAECcAABAnAAAAAAAAAAAAAAAAAAAAAAAAAAAAAAAAAAAAAAAAAAAAABQAAAAAAAAAwMD/AAAAAABkAAAAMgAAAAAAAABkAAAAAAAAAH9/fwAKAAAAIgAAABgAAAAAAAAAAAAAAAAAAAAAAAAAAAAAAAAAAAAkAAAAJAAAAAAAAAAHAAAAAAAAAAAAAAAAAAAAAAAAAAAAAAAAAAAAf39/ACUAAABYAAAAAAAAAAAAAAAAAAAAAAAAAAAAAAAAAAAAAAAAAAAAAAAAAAAAAAAAAAAAAAA/AAAAAAAAAKCGAQAAAAAAAAAAAAAAAAAMAAAAAQAAAAAAAAAAAAAAAAAAAB8AAABUAAAAAAAABQAAAAEAAAAAAAAAAAAAAAAAAAAAAAAAAAAAAAAAAAAAAAAAAAAAAAJ/f38AAAAAA8zMzADAwP8Af39/AAAAAAAAAAAAAAAAAAAAAAAAAAAAIQAAABgAAAAUAAAAwTUAABsnAABARwAAWSkAABAAAAAmAAAACAAAAAAAAAAAAAAAMAAAABQAAAAAAAAAAAD//wAAAQAAAP//AAABAA=="/>
+                <pr:smNativeData xmlns:pr="smNativeData" xmlns="smNativeData" val="SMDATA_16_D/2gZxMAAAAlAAAAZAAAAA8BAAAAkAAAAEgAAACQAAAASAAAAAAAAAABAAAAAAAAAAEAAABQAAAAAAAAAAAA4D8AAAAAAADgPwAAAAAAAOA/AAAAAAAA4D8AAAAAAADgPwAAAAAAAOA/AAAAAAAA4D8AAAAAAADgPwAAAAAAAOA/AAAAAAAA4D8CAAAAjAAAAAAAAAAAAAAAu+DjDP///wgAAAAAAAAAAAAAAAAAAAAAAAAAAAAAAAAAAAAAZAAAAAEAAABAAAAAAAAAAAAAAAAAAAAAAAAAAAAAAAAAAAAAAAAAAAAAAAAAAAAAAAAAAAAAAAAAAAAAAAAAAAAAAAAAAAAAAAAAAAAAAAAAAAAAAAAAAAAAAAAAAAAAFAAAADwAAAAAAAAAAAAAAAAAAAkUAAAAAQAAABQAAAAUAAAAFAAAAAEAAAAAAAAAZAAAAGQAAAAAAAAAZAAAAGQAAAAVAAAAYAAAAAAAAAAAAAAADwAAACADAAAAAAAAAAAAAAEAAACgMgAAVgcAAKr4//8BAAAAf39/AAEAAABkAAAAAAAAABQAAABAHwAAAAAAACYAAAAAAAAAwOD//wAAAAAmAAAAZAAAABYAAABMAAAAAAAAAAAAAAAEAAAAAAAAAAEAAACAgIAKAAAAACgAAAAoAAAAZAAAAGQAAAAAAAAAzMzMAAAAAABQAAAAUAAAAGQAAABkAAAAAAAAABcAAAAUAAAAAAAAAAAAAAD/fwAA/38AAAAAAAAJAAAABAAAANw7IAEeAAAAaAAAAAAAAAAAAAAAAAAAAAAAAAAAAAAAECcAABAnAAAAAAAAAAAAAAAAAAAAAAAAAAAAAAAAAAAAAAAAAAAAABQAAAAAAAAAwMD/AAAAAABkAAAAMgAAAAAAAABkAAAAAAAAAH9/fwAKAAAAIgAAABgAAAAAAAAAAAAAAAAAAAAAAAAAAAAAAAAAAAAkAAAAJAAAAAAAAAAHAAAAAAAAAAAAAAAAAAAAAAAAAAAAAAAAAAAAf39/ACUAAABYAAAAAAAAAAAAAAAAAAAAAAAAAAAAAAAAAAAAAAAAAAAAAAAAAAAAAAAAAAAAAAA/AAAAAAAAAKCGAQAAAAAAAAAAAAAAAAAMAAAAAQAAAAAAAAAAAAAAAAAAAB8AAABUAAAAAAAABQAAAAEAAAAAAAAAAAAAAAAAAAAAAAAAAAAAAAAAAAAAAAAAAAAAAAJ/f38AAAAAA8zMzADAwP8Af39/AAAAAAAAAAAAAAAAAAAAAAAAAAAAIQAAABgAAAAUAAAAwTUAABsnAABARwAAWSkAABAAAAAmAAAACAAAAAAAAAAAAAAAMAAAABQAAAAAAAAAAAD//wAAAQAAAP//AAABAA=="/>
               </a:ext>
             </a:extLst>
           </p:cNvSpPr>
@@ -1486,7 +1486,7 @@
           <a:lstStyle/>
           <a:p>
             <a:pPr/>
-            <a:fld id="{3D1423FF-B1D0-41D5-9EAC-47806DE26812}" type="slidenum">
+            <a:fld id="{3DF99956-18D0-AC6F-9E41-EE3AD70F68BB}" type="slidenum">
               <a:t/>
             </a:fld>
           </a:p>
@@ -1525,7 +1525,7 @@
             <a:spLocks noGrp="1" noChangeArrowheads="1"/>
             <a:extLst>
               <a:ext uri="smNativeData">
-                <pr:smNativeData xmlns:pr="smNativeData" xmlns="smNativeData" val="SMDATA_16_yvWgZxMAAAAlAAAAZAAAAA8BAAAAkAAAAEgAAACQAAAASAAAAAAAAAABAAAAAAAAAAEAAABQAAAAAAAAAAAA4D8AAAAAAADgPwAAAAAAAOA/AAAAAAAA4D8AAAAAAADgPwAAAAAAAOA/AAAAAAAA4D8AAAAAAADgPwAAAAAAAOA/AAAAAAAA4D8CAAAAjAAAAAAAAAAAAAAAu+DjDP///wgAAAAAAAAAAAAAAAAAAAAAAAAAAAAAAAAAAAAAZAAAAAEAAABAAAAAAAAAAAAAAAAAAAAAAAAAAAAAAAAAAAAAAAAAAAAAAAAAAAAAAAAAAAAAAAAAAAAAAAAAAAAAAAAAAAAAAAAAAAAAAAAAAAAAAAAAAAAAAAAAAAAAFAAAADwAAAAAAAAAAAAAAAAAAAkUAAAAAQAAABQAAAAUAAAAFAAAAAEAAAAAAAAAZAAAAGQAAAAAAAAAZAAAAGQAAAAVAAAAYAAAAAAAAAAAAAAADwAAACADAAAAAAAAAAAAAAEAAACgMgAAVgcAAKr4//8BAAAAf39/AAEAAABkAAAAAAAAABQAAABAHwAAAAAAACYAAAAAAAAAwOD//wAAAAAmAAAAZAAAABYAAABMAAAAAAAAAAAAAAAEAAAAAAAAAAEAAACAgIAKAAAAACgAAAAoAAAAZAAAAGQAAAAAAAAAzMzMAAAAAABQAAAAUAAAAGQAAABkAAAAAAAAABcAAAAUAAAAAAAAAAAAAAD/fwAA/38AAAAAAAAJAAAABAAAANw7IAEeAAAAaAAAAAAAAAAAAAAAAAAAAAAAAAAAAAAAECcAABAnAAAAAAAAAAAAAAAAAAAAAAAAAAAAAAAAAAAAAAAAAAAAABQAAAAAAAAAwMD/AAAAAABkAAAAMgAAAAAAAABkAAAAAAAAAH9/fwAKAAAAIgAAABgAAAAAAAAAAAAAAAAAAAAAAAAAAAAAAAAAAAAkAAAAJAAAAAAAAAAHAAAAAAAAAAAAAAAAAAAAAAAAAAAAAAAAAAAAf39/ACUAAABYAAAAAAAAAAAAAAAAAAAAAAAAAAAAAAAAAAAAAAAAAAAAAAAAAAAAAAAAAAAAAAA/AAAAAAAAAKCGAQAAAAAAAAAAAAAAAAAMAAAAAQAAAAAAAAAAAAAAAAAAAB8AAABUAAAAAAAABQAAAAEAAAAAAAAAAAAAAAAAAAAAAAAAAAAAAAAAAAAAAAAAAAAAAAJ/f38AAAAAA8zMzADAwP8Af39/AAAAAAAAAAAAAAAAAAAAAAAAAAAAIQAAABgAAAAUAAAAwAMAALABAABARwAAuAgAABAAAAAmAAAACAAAAAAAAAAAAAAAMAAAABQAAAAAAAAAAAD//wAAAQAAAP//AAABAA=="/>
+                <pr:smNativeData xmlns:pr="smNativeData" xmlns="smNativeData" val="SMDATA_16_D/2gZxMAAAAlAAAAZAAAAA8BAAAAkAAAAEgAAACQAAAASAAAAAAAAAABAAAAAAAAAAEAAABQAAAAAAAAAAAA4D8AAAAAAADgPwAAAAAAAOA/AAAAAAAA4D8AAAAAAADgPwAAAAAAAOA/AAAAAAAA4D8AAAAAAADgPwAAAAAAAOA/AAAAAAAA4D8CAAAAjAAAAAAAAAAAAAAAu+DjDP///wgAAAAAAAAAAAAAAAAAAAAAAAAAAAAAAAAAAAAAZAAAAAEAAABAAAAAAAAAAAAAAAAAAAAAAAAAAAAAAAAAAAAAAAAAAAAAAAAAAAAAAAAAAAAAAAAAAAAAAAAAAAAAAAAAAAAAAAAAAAAAAAAAAAAAAAAAAAAAAAAAAAAAFAAAADwAAAAAAAAAAAAAAAAAAAkUAAAAAQAAABQAAAAUAAAAFAAAAAEAAAAAAAAAZAAAAGQAAAAAAAAAZAAAAGQAAAAVAAAAYAAAAAAAAAAAAAAADwAAACADAAAAAAAAAAAAAAEAAACgMgAAVgcAAKr4//8BAAAAf39/AAEAAABkAAAAAAAAABQAAABAHwAAAAAAACYAAAAAAAAAwOD//wAAAAAmAAAAZAAAABYAAABMAAAAAAAAAAAAAAAEAAAAAAAAAAEAAACAgIAKAAAAACgAAAAoAAAAZAAAAGQAAAAAAAAAzMzMAAAAAABQAAAAUAAAAGQAAABkAAAAAAAAABcAAAAUAAAAAAAAAAAAAAD/fwAA/38AAAAAAAAJAAAABAAAANw7IAEeAAAAaAAAAAAAAAAAAAAAAAAAAAAAAAAAAAAAECcAABAnAAAAAAAAAAAAAAAAAAAAAAAAAAAAAAAAAAAAAAAAAAAAABQAAAAAAAAAwMD/AAAAAABkAAAAMgAAAAAAAABkAAAAAAAAAH9/fwAKAAAAIgAAABgAAAAAAAAAAAAAAAAAAAAAAAAAAAAAAAAAAAAkAAAAJAAAAAAAAAAHAAAAAAAAAAAAAAAAAAAAAAAAAAAAAAAAAAAAf39/ACUAAABYAAAAAAAAAAAAAAAAAAAAAAAAAAAAAAAAAAAAAAAAAAAAAAAAAAAAAAAAAAAAAAA/AAAAAAAAAKCGAQAAAAAAAAAAAAAAAAAMAAAAAQAAAAAAAAAAAAAAAAAAAB8AAABUAAAAAAAABQAAAAEAAAAAAAAAAAAAAAAAAAAAAAAAAAAAAAAAAAAAAAAAAAAAAAJ/f38AAAAAA8zMzADAwP8Af39/AAAAAAAAAAAAAAAAAAAAAAAAAAAAIQAAABgAAAAUAAAAwAMAALABAABARwAAuAgAABAAAAAmAAAACAAAAAAAAAAAAAAAMAAAABQAAAAAAAAAAAD//wAAAQAAAP//AAABAA=="/>
               </a:ext>
             </a:extLst>
           </p:cNvSpPr>
@@ -1552,7 +1552,7 @@
             <a:spLocks noGrp="1" noChangeArrowheads="1"/>
             <a:extLst>
               <a:ext uri="smNativeData">
-                <pr:smNativeData xmlns:pr="smNativeData" xmlns="smNativeData" val="SMDATA_16_yvWgZxMAAAAlAAAAZAAAAA8BAAAAkAAAAEgAAACQAAAASAAAAAAAAAACAAAAAAAAAAEAAABQAAAAAAAAAAAA4D8AAAAAAADgPwAAAAAAAOA/AAAAAAAA4D8AAAAAAADgPwAAAAAAAOA/AAAAAAAA4D8AAAAAAADgPwAAAAAAAOA/AAAAAAAA4D8CAAAAjAAAAAAAAAAAAAAAu+DjDP///wgAAAAAAAAAAAAAAAAAAAAAAAAAAAAAAAAAAAAAZAAAAAEAAABAAAAAAAAAAAAAAAAAAAAAAAAAAAAAAAAAAAAAAAAAAAAAAAAAAAAAAAAAAAAAAAAAAAAAAAAAAAAAAAAAAAAAAAAAAAAAAAAAAAAAAAAAAAAAAAAAAAAAFAAAADwAAAAAAAAAAAAAAAAAAAkUAAAAAQAAABQAAAAUAAAAFAAAAAEAAAAAAAAAZAAAAGQAAAAAAAAAZAAAAGQAAAAVAAAAYAAAAAAAAAAAAAAADwAAACADAAAAAAAAAAAAAAEAAACgMgAAVgcAAKr4//8BAAAAf39/AAEAAABkAAAAAAAAABQAAABAHwAAAAAAACYAAAAAAAAAwOD//wAAAAAmAAAAZAAAABYAAABMAAAAAAAAAAAAAAAEAAAAAAAAAAEAAACAgIAKAAAAACgAAAAoAAAAZAAAAGQAAAAAAAAAzMzMAAAAAABQAAAAUAAAAGQAAABkAAAAAAAAABcAAAAUAAAAAAAAAAAAAAD/fwAA/38AAAAAAAAJAAAABAAAANw7IAEeAAAAaAAAAAAAAAAAAAAAAAAAAAAAAAAAAAAAECcAABAnAAAAAAAAAAAAAAAAAAAAAAAAAAAAAAAAAAAAAAAAAAAAABQAAAAAAAAAwMD/AAAAAABkAAAAMgAAAAAAAABkAAAAAAAAAH9/fwAKAAAAIgAAABgAAAAAAAAAAAAAAAAAAAAAAAAAAAAAAAAAAAAkAAAAJAAAAAAAAAAHAAAAAAAAAAAAAAAAAAAAAAAAAAAAAAAAAAAAf39/ACUAAABYAAAAAAAAAAAAAAAAAAAAAAAAAAAAAAAAAAAAAAAAAAAAAAAAAAAAAAAAAAAAAAA/AAAAAAAAAKCGAQAAAAAAAAAAAAAAAAAMAAAAAQAAAAAAAAAAAAAAAAAAAB8AAABUAAAAAAAABQAAAAEAAAAAAAAAAAAAAAAAAAAAAAAAAAAAAAAAAAAAAAAAAAAAAAJ/f38AAAAAA8zMzADAwP8Af39/AAAAAAAAAAAAAAAAAAAAAAAAAAAAIQAAABgAAAAUAAAAwAMAAHEJAADjJAAAYQ0AABAAAAAmAAAACAAAAIGAAAAAAAAAMAAAABQAAAAAAAAAAAD//wAAAQAAAP//AAABAA=="/>
+                <pr:smNativeData xmlns:pr="smNativeData" xmlns="smNativeData" val="SMDATA_16_D/2gZxMAAAAlAAAAZAAAAA8BAAAAkAAAAEgAAACQAAAASAAAAAAAAAACAAAAAAAAAAEAAABQAAAAAAAAAAAA4D8AAAAAAADgPwAAAAAAAOA/AAAAAAAA4D8AAAAAAADgPwAAAAAAAOA/AAAAAAAA4D8AAAAAAADgPwAAAAAAAOA/AAAAAAAA4D8CAAAAjAAAAAAAAAAAAAAAu+DjDP///wgAAAAAAAAAAAAAAAAAAAAAAAAAAAAAAAAAAAAAZAAAAAEAAABAAAAAAAAAAAAAAAAAAAAAAAAAAAAAAAAAAAAAAAAAAAAAAAAAAAAAAAAAAAAAAAAAAAAAAAAAAAAAAAAAAAAAAAAAAAAAAAAAAAAAAAAAAAAAAAAAAAAAFAAAADwAAAAAAAAAAAAAAAAAAAkUAAAAAQAAABQAAAAUAAAAFAAAAAEAAAAAAAAAZAAAAGQAAAAAAAAAZAAAAGQAAAAVAAAAYAAAAAAAAAAAAAAADwAAACADAAAAAAAAAAAAAAEAAACgMgAAVgcAAKr4//8BAAAAf39/AAEAAABkAAAAAAAAABQAAABAHwAAAAAAACYAAAAAAAAAwOD//wAAAAAmAAAAZAAAABYAAABMAAAAAAAAAAAAAAAEAAAAAAAAAAEAAACAgIAKAAAAACgAAAAoAAAAZAAAAGQAAAAAAAAAzMzMAAAAAABQAAAAUAAAAGQAAABkAAAAAAAAABcAAAAUAAAAAAAAAAAAAAD/fwAA/38AAAAAAAAJAAAABAAAANw7IAEeAAAAaAAAAAAAAAAAAAAAAAAAAAAAAAAAAAAAECcAABAnAAAAAAAAAAAAAAAAAAAAAAAAAAAAAAAAAAAAAAAAAAAAABQAAAAAAAAAwMD/AAAAAABkAAAAMgAAAAAAAABkAAAAAAAAAH9/fwAKAAAAIgAAABgAAAAAAAAAAAAAAAAAAAAAAAAAAAAAAAAAAAAkAAAAJAAAAAAAAAAHAAAAAAAAAAAAAAAAAAAAAAAAAAAAAAAAAAAAf39/ACUAAABYAAAAAAAAAAAAAAAAAAAAAAAAAAAAAAAAAAAAAAAAAAAAAAAAAAAAAAAAAAAAAAA/AAAAAAAAAKCGAQAAAAAAAAAAAAAAAAAMAAAAAQAAAAAAAAAAAAAAAAAAAB8AAABUAAAAAAAABQAAAAEAAAAAAAAAAAAAAAAAAAAAAAAAAAAAAAAAAAAAAAAAAAAAAAJ/f38AAAAAA8zMzADAwP8Af39/AAAAAAAAAAAAAAAAAAAAAAAAAAAAIQAAABgAAAAUAAAAwAMAAHEJAADjJAAAYQ0AABAAAAAmAAAACAAAAIGAAAAAAAAAMAAAABQAAAAAAAAAAAD//wAAAQAAAP//AAABAA=="/>
               </a:ext>
             </a:extLst>
           </p:cNvSpPr>
@@ -1625,7 +1625,7 @@
             <a:spLocks noGrp="1" noChangeArrowheads="1"/>
             <a:extLst>
               <a:ext uri="smNativeData">
-                <pr:smNativeData xmlns:pr="smNativeData" xmlns="smNativeData" val="SMDATA_16_yvWgZxMAAAAlAAAAZAAAAA8BAAAAkAAAAEgAAACQAAAASAAAAAAAAAAAAAAAAAAAAAEAAABQAAAAAAAAAAAA4D8AAAAAAADgPwAAAAAAAOA/AAAAAAAA4D8AAAAAAADgPwAAAAAAAOA/AAAAAAAA4D8AAAAAAADgPwAAAAAAAOA/AAAAAAAA4D8CAAAAjAAAAAAAAAAAAAAAu+DjDP///wgAAAAAAAAAAAAAAAAAAAAAAAAAAAAAAAAAAAAAZAAAAAEAAABAAAAAAAAAAAAAAAAAAAAAAAAAAAAAAAAAAAAAAAAAAAAAAAAAAAAAAAAAAAAAAAAAAAAAAAAAAAAAAAAAAAAAAAAAAAAAAAAAAAAAAAAAAAAAAAAAAAAAFAAAADwAAAAAAAAAAAAAAAAAAAkUAAAAAQAAABQAAAAUAAAAFAAAAAEAAAAAAAAAZAAAAGQAAAAAAAAAZAAAAGQAAAAVAAAAYAAAAAAAAAAAAAAADwAAACADAAAAAAAAAAAAAAEAAACgMgAAVgcAAKr4//8BAAAAf39/AAEAAABkAAAAAAAAABQAAABAHwAAAAAAACYAAAAAAAAAwOD//wAAAAAmAAAAZAAAABYAAABMAAAAAAAAAAAAAAAEAAAAAAAAAAEAAACAgIAKAAAAACgAAAAoAAAAZAAAAGQAAAAAAAAAzMzMAAAAAABQAAAAUAAAAGQAAABkAAAAAAAAABcAAAAUAAAAAAAAAAAAAAD/fwAA/38AAAAAAAAJAAAABAAAANw7IAEeAAAAaAAAAAAAAAAAAAAAAAAAAAAAAAAAAAAAECcAABAnAAAAAAAAAAAAAAAAAAAAAAAAAAAAAAAAAAAAAAAAAAAAABQAAAAAAAAAwMD/AAAAAABkAAAAMgAAAAAAAABkAAAAAAAAAH9/fwAKAAAAIgAAABgAAAAAAAAAAAAAAAAAAAAAAAAAAAAAAAAAAAAkAAAAJAAAAAAAAAAHAAAAAAAAAAAAAAAAAAAAAAAAAAAAAAAAAAAAf39/ACUAAABYAAAAAAAAAAAAAAAAAAAAAAAAAAAAAAAAAAAAAAAAAAAAAAAAAAAAAAAAAAAAAAA/AAAAAAAAAKCGAQAAAAAAAAAAAAAAAAAMAAAAAQAAAAAAAAAAAAAAAAAAAB8AAABUAAAAAAAABQAAAAEAAAAAAAAAAAAAAAAAAAAAAAAAAAAAAAAAAAAAAAAAAAAAAAJ/f38AAAAAA8zMzADAwP8Af39/AAAAAAAAAAAAAAAAAAAAAAAAAAAAIQAAABgAAAAUAAAAwAMAAGENAADjJAAAsCUAABAAAAAmAAAACAAAAAGAAAAAAAAAMAAAABQAAAAAAAAAAAD//wAAAQAAAP//AAABAA=="/>
+                <pr:smNativeData xmlns:pr="smNativeData" xmlns="smNativeData" val="SMDATA_16_D/2gZxMAAAAlAAAAZAAAAA8BAAAAkAAAAEgAAACQAAAASAAAAAAAAAAAAAAAAAAAAAEAAABQAAAAAAAAAAAA4D8AAAAAAADgPwAAAAAAAOA/AAAAAAAA4D8AAAAAAADgPwAAAAAAAOA/AAAAAAAA4D8AAAAAAADgPwAAAAAAAOA/AAAAAAAA4D8CAAAAjAAAAAAAAAAAAAAAu+DjDP///wgAAAAAAAAAAAAAAAAAAAAAAAAAAAAAAAAAAAAAZAAAAAEAAABAAAAAAAAAAAAAAAAAAAAAAAAAAAAAAAAAAAAAAAAAAAAAAAAAAAAAAAAAAAAAAAAAAAAAAAAAAAAAAAAAAAAAAAAAAAAAAAAAAAAAAAAAAAAAAAAAAAAAFAAAADwAAAAAAAAAAAAAAAAAAAkUAAAAAQAAABQAAAAUAAAAFAAAAAEAAAAAAAAAZAAAAGQAAAAAAAAAZAAAAGQAAAAVAAAAYAAAAAAAAAAAAAAADwAAACADAAAAAAAAAAAAAAEAAACgMgAAVgcAAKr4//8BAAAAf39/AAEAAABkAAAAAAAAABQAAABAHwAAAAAAACYAAAAAAAAAwOD//wAAAAAmAAAAZAAAABYAAABMAAAAAAAAAAAAAAAEAAAAAAAAAAEAAACAgIAKAAAAACgAAAAoAAAAZAAAAGQAAAAAAAAAzMzMAAAAAABQAAAAUAAAAGQAAABkAAAAAAAAABcAAAAUAAAAAAAAAAAAAAD/fwAA/38AAAAAAAAJAAAABAAAANw7IAEeAAAAaAAAAAAAAAAAAAAAAAAAAAAAAAAAAAAAECcAABAnAAAAAAAAAAAAAAAAAAAAAAAAAAAAAAAAAAAAAAAAAAAAABQAAAAAAAAAwMD/AAAAAABkAAAAMgAAAAAAAABkAAAAAAAAAH9/fwAKAAAAIgAAABgAAAAAAAAAAAAAAAAAAAAAAAAAAAAAAAAAAAAkAAAAJAAAAAAAAAAHAAAAAAAAAAAAAAAAAAAAAAAAAAAAAAAAAAAAf39/ACUAAABYAAAAAAAAAAAAAAAAAAAAAAAAAAAAAAAAAAAAAAAAAAAAAAAAAAAAAAAAAAAAAAA/AAAAAAAAAKCGAQAAAAAAAAAAAAAAAAAMAAAAAQAAAAAAAAAAAAAAAAAAAB8AAABUAAAAAAAABQAAAAEAAAAAAAAAAAAAAAAAAAAAAAAAAAAAAAAAAAAAAAAAAAAAAAJ/f38AAAAAA8zMzADAwP8Af39/AAAAAAAAAAAAAAAAAAAAAAAAAAAAIQAAABgAAAAUAAAAwAMAAGENAADjJAAAsCUAABAAAAAmAAAACAAAAAGAAAAAAAAAMAAAABQAAAAAAAAAAAD//wAAAQAAAP//AAABAA=="/>
               </a:ext>
             </a:extLst>
           </p:cNvSpPr>
@@ -1709,7 +1709,7 @@
             <a:spLocks noGrp="1" noChangeArrowheads="1"/>
             <a:extLst>
               <a:ext uri="smNativeData">
-                <pr:smNativeData xmlns:pr="smNativeData" xmlns="smNativeData" val="SMDATA_16_yvWgZxMAAAAlAAAAZAAAAA8BAAAAkAAAAEgAAACQAAAASAAAAAAAAAACAAAAAAAAAAEAAABQAAAAAAAAAAAA4D8AAAAAAADgPwAAAAAAAOA/AAAAAAAA4D8AAAAAAADgPwAAAAAAAOA/AAAAAAAA4D8AAAAAAADgPwAAAAAAAOA/AAAAAAAA4D8CAAAAjAAAAAAAAAAAAAAAu+DjDP///wgAAAAAAAAAAAAAAAAAAAAAAAAAAAAAAAAAAAAAZAAAAAEAAABAAAAAAAAAAAAAAAAAAAAAAAAAAAAAAAAAAAAAAAAAAAAAAAAAAAAAAAAAAAAAAAAAAAAAAAAAAAAAAAAAAAAAAAAAAAAAAAAAAAAAAAAAAAAAAAAAAAAAFAAAADwAAAAAAAAAAAAAAAAAAAkUAAAAAQAAABQAAAAUAAAAFAAAAAEAAAAAAAAAZAAAAGQAAAAAAAAAZAAAAGQAAAAVAAAAYAAAAAAAAAAAAAAADwAAACADAAAAAAAAAAAAAAEAAACgMgAAVgcAAKr4//8BAAAAf39/AAEAAABkAAAAAAAAABQAAABAHwAAAAAAACYAAAAAAAAAwOD//wAAAAAmAAAAZAAAABYAAABMAAAAAAAAAAAAAAAEAAAAAAAAAAEAAACAgIAKAAAAACgAAAAoAAAAZAAAAGQAAAAAAAAAzMzMAAAAAABQAAAAUAAAAGQAAABkAAAAAAAAABcAAAAUAAAAAAAAAAAAAAD/fwAA/38AAAAAAAAJAAAABAAAANw7IAEeAAAAaAAAAAAAAAAAAAAAAAAAAAAAAAAAAAAAECcAABAnAAAAAAAAAAAAAAAAAAAAAAAAAAAAAAAAAAAAAAAAAAAAABQAAAAAAAAAwMD/AAAAAABkAAAAMgAAAAAAAABkAAAAAAAAAH9/fwAKAAAAIgAAABgAAAAAAAAAAAAAAAAAAAAAAAAAAAAAAAAAAAAkAAAAJAAAAAAAAAAHAAAAAAAAAAAAAAAAAAAAAAAAAAAAAAAAAAAAf39/ACUAAABYAAAAAAAAAAAAAAAAAAAAAAAAAAAAAAAAAAAAAAAAAAAAAAAAAAAAAAAAAAAAAAA/AAAAAAAAAKCGAQAAAAAAAAAAAAAAAAAMAAAAAQAAAAAAAAAAAAAAAAAAAB8AAABUAAAAAAAABQAAAAEAAAAAAAAAAAAAAAAAAAAAAAAAAAAAAAAAAAAAAAAAAAAAAAJ/f38AAAAAA8zMzADAwP8Af39/AAAAAAAAAAAAAAAAAAAAAAAAAAAAIQAAABgAAAAUAAAAHSYAAHEJAABARwAAYQ0AABAAAAAmAAAACAAAAIGAAAAAAAAAMAAAABQAAAAAAAAAAAD//wAAAQAAAP//AAABAA=="/>
+                <pr:smNativeData xmlns:pr="smNativeData" xmlns="smNativeData" val="SMDATA_16_D/2gZxMAAAAlAAAAZAAAAA8BAAAAkAAAAEgAAACQAAAASAAAAAAAAAACAAAAAAAAAAEAAABQAAAAAAAAAAAA4D8AAAAAAADgPwAAAAAAAOA/AAAAAAAA4D8AAAAAAADgPwAAAAAAAOA/AAAAAAAA4D8AAAAAAADgPwAAAAAAAOA/AAAAAAAA4D8CAAAAjAAAAAAAAAAAAAAAu+DjDP///wgAAAAAAAAAAAAAAAAAAAAAAAAAAAAAAAAAAAAAZAAAAAEAAABAAAAAAAAAAAAAAAAAAAAAAAAAAAAAAAAAAAAAAAAAAAAAAAAAAAAAAAAAAAAAAAAAAAAAAAAAAAAAAAAAAAAAAAAAAAAAAAAAAAAAAAAAAAAAAAAAAAAAFAAAADwAAAAAAAAAAAAAAAAAAAkUAAAAAQAAABQAAAAUAAAAFAAAAAEAAAAAAAAAZAAAAGQAAAAAAAAAZAAAAGQAAAAVAAAAYAAAAAAAAAAAAAAADwAAACADAAAAAAAAAAAAAAEAAACgMgAAVgcAAKr4//8BAAAAf39/AAEAAABkAAAAAAAAABQAAABAHwAAAAAAACYAAAAAAAAAwOD//wAAAAAmAAAAZAAAABYAAABMAAAAAAAAAAAAAAAEAAAAAAAAAAEAAACAgIAKAAAAACgAAAAoAAAAZAAAAGQAAAAAAAAAzMzMAAAAAABQAAAAUAAAAGQAAABkAAAAAAAAABcAAAAUAAAAAAAAAAAAAAD/fwAA/38AAAAAAAAJAAAABAAAANw7IAEeAAAAaAAAAAAAAAAAAAAAAAAAAAAAAAAAAAAAECcAABAnAAAAAAAAAAAAAAAAAAAAAAAAAAAAAAAAAAAAAAAAAAAAABQAAAAAAAAAwMD/AAAAAABkAAAAMgAAAAAAAABkAAAAAAAAAH9/fwAKAAAAIgAAABgAAAAAAAAAAAAAAAAAAAAAAAAAAAAAAAAAAAAkAAAAJAAAAAAAAAAHAAAAAAAAAAAAAAAAAAAAAAAAAAAAAAAAAAAAf39/ACUAAABYAAAAAAAAAAAAAAAAAAAAAAAAAAAAAAAAAAAAAAAAAAAAAAAAAAAAAAAAAAAAAAA/AAAAAAAAAKCGAQAAAAAAAAAAAAAAAAAMAAAAAQAAAAAAAAAAAAAAAAAAAB8AAABUAAAAAAAABQAAAAEAAAAAAAAAAAAAAAAAAAAAAAAAAAAAAAAAAAAAAAAAAAAAAAJ/f38AAAAAA8zMzADAwP8Af39/AAAAAAAAAAAAAAAAAAAAAAAAAAAAIQAAABgAAAAUAAAAHSYAAHEJAABARwAAYQ0AABAAAAAmAAAACAAAAIGAAAAAAAAAMAAAABQAAAAAAAAAAAD//wAAAQAAAP//AAABAA=="/>
               </a:ext>
             </a:extLst>
           </p:cNvSpPr>
@@ -1782,7 +1782,7 @@
             <a:spLocks noGrp="1" noChangeArrowheads="1"/>
             <a:extLst>
               <a:ext uri="smNativeData">
-                <pr:smNativeData xmlns:pr="smNativeData" xmlns="smNativeData" val="SMDATA_16_yvWgZxMAAAAlAAAAZAAAAA8BAAAAkAAAAEgAAACQAAAASAAAAAAAAAAAAAAAAAAAAAEAAABQAAAAAAAAAAAA4D8AAAAAAADgPwAAAAAAAOA/AAAAAAAA4D8AAAAAAADgPwAAAAAAAOA/AAAAAAAA4D8AAAAAAADgPwAAAAAAAOA/AAAAAAAA4D8CAAAAjAAAAAAAAAAAAAAAu+DjDP///wgAAAAAAAAAAAAAAAAAAAAAAAAAAAAAAAAAAAAAZAAAAAEAAABAAAAAAAAAAAAAAAAAAAAAAAAAAAAAAAAAAAAAAAAAAAAAAAAAAAAAAAAAAAAAAAAAAAAAAAAAAAAAAAAAAAAAAAAAAAAAAAAAAAAAAAAAAAAAAAAAAAAAFAAAADwAAAAAAAAAAAAAAAAAAAkUAAAAAQAAABQAAAAUAAAAFAAAAAEAAAAAAAAAZAAAAGQAAAAAAAAAZAAAAGQAAAAVAAAAYAAAAAAAAAAAAAAADwAAACADAAAAAAAAAAAAAAEAAACgMgAAVgcAAKr4//8BAAAAf39/AAEAAABkAAAAAAAAABQAAABAHwAAAAAAACYAAAAAAAAAwOD//wAAAAAmAAAAZAAAABYAAABMAAAAAAAAAAAAAAAEAAAAAAAAAAEAAACAgIAKAAAAACgAAAAoAAAAZAAAAGQAAAAAAAAAzMzMAAAAAABQAAAAUAAAAGQAAABkAAAAAAAAABcAAAAUAAAAAAAAAAAAAAD/fwAA/38AAAAAAAAJAAAABAAAANw7IAEeAAAAaAAAAAAAAAAAAAAAAAAAAAAAAAAAAAAAECcAABAnAAAAAAAAAAAAAAAAAAAAAAAAAAAAAAAAAAAAAAAAAAAAABQAAAAAAAAAwMD/AAAAAABkAAAAMgAAAAAAAABkAAAAAAAAAH9/fwAKAAAAIgAAABgAAAAAAAAAAAAAAAAAAAAAAAAAAAAAAAAAAAAkAAAAJAAAAAAAAAAHAAAAAAAAAAAAAAAAAAAAAAAAAAAAAAAAAAAAf39/ACUAAABYAAAAAAAAAAAAAAAAAAAAAAAAAAAAAAAAAAAAAAAAAAAAAAAAAAAAAAAAAAAAAAA/AAAAAAAAAKCGAQAAAAAAAAAAAAAAAAAMAAAAAQAAAAAAAAAAAAAAAAAAAB8AAABUAAAAAAAABQAAAAEAAAAAAAAAAAAAAAAAAAAAAAAAAAAAAAAAAAAAAAAAAAAAAAJ/f38AAAAAA8zMzADAwP8Af39/AAAAAAAAAAAAAAAAAAAAAAAAAAAAIQAAABgAAAAUAAAAHSYAAGENAABARwAAsCUAABAAAAAmAAAACAAAAAGAAAAAAAAAMAAAABQAAAAAAAAAAAD//wAAAQAAAP//AAABAA=="/>
+                <pr:smNativeData xmlns:pr="smNativeData" xmlns="smNativeData" val="SMDATA_16_D/2gZxMAAAAlAAAAZAAAAA8BAAAAkAAAAEgAAACQAAAASAAAAAAAAAAAAAAAAAAAAAEAAABQAAAAAAAAAAAA4D8AAAAAAADgPwAAAAAAAOA/AAAAAAAA4D8AAAAAAADgPwAAAAAAAOA/AAAAAAAA4D8AAAAAAADgPwAAAAAAAOA/AAAAAAAA4D8CAAAAjAAAAAAAAAAAAAAAu+DjDP///wgAAAAAAAAAAAAAAAAAAAAAAAAAAAAAAAAAAAAAZAAAAAEAAABAAAAAAAAAAAAAAAAAAAAAAAAAAAAAAAAAAAAAAAAAAAAAAAAAAAAAAAAAAAAAAAAAAAAAAAAAAAAAAAAAAAAAAAAAAAAAAAAAAAAAAAAAAAAAAAAAAAAAFAAAADwAAAAAAAAAAAAAAAAAAAkUAAAAAQAAABQAAAAUAAAAFAAAAAEAAAAAAAAAZAAAAGQAAAAAAAAAZAAAAGQAAAAVAAAAYAAAAAAAAAAAAAAADwAAACADAAAAAAAAAAAAAAEAAACgMgAAVgcAAKr4//8BAAAAf39/AAEAAABkAAAAAAAAABQAAABAHwAAAAAAACYAAAAAAAAAwOD//wAAAAAmAAAAZAAAABYAAABMAAAAAAAAAAAAAAAEAAAAAAAAAAEAAACAgIAKAAAAACgAAAAoAAAAZAAAAGQAAAAAAAAAzMzMAAAAAABQAAAAUAAAAGQAAABkAAAAAAAAABcAAAAUAAAAAAAAAAAAAAD/fwAA/38AAAAAAAAJAAAABAAAANw7IAEeAAAAaAAAAAAAAAAAAAAAAAAAAAAAAAAAAAAAECcAABAnAAAAAAAAAAAAAAAAAAAAAAAAAAAAAAAAAAAAAAAAAAAAABQAAAAAAAAAwMD/AAAAAABkAAAAMgAAAAAAAABkAAAAAAAAAH9/fwAKAAAAIgAAABgAAAAAAAAAAAAAAAAAAAAAAAAAAAAAAAAAAAAkAAAAJAAAAAAAAAAHAAAAAAAAAAAAAAAAAAAAAAAAAAAAAAAAAAAAf39/ACUAAABYAAAAAAAAAAAAAAAAAAAAAAAAAAAAAAAAAAAAAAAAAAAAAAAAAAAAAAAAAAAAAAA/AAAAAAAAAKCGAQAAAAAAAAAAAAAAAAAMAAAAAQAAAAAAAAAAAAAAAAAAAB8AAABUAAAAAAAABQAAAAEAAAAAAAAAAAAAAAAAAAAAAAAAAAAAAAAAAAAAAAAAAAAAAAJ/f38AAAAAA8zMzADAwP8Af39/AAAAAAAAAAAAAAAAAAAAAAAAAAAAIQAAABgAAAAUAAAAHSYAAGENAABARwAAsCUAABAAAAAmAAAACAAAAAGAAAAAAAAAMAAAABQAAAAAAAAAAAD//wAAAQAAAP//AAABAA=="/>
               </a:ext>
             </a:extLst>
           </p:cNvSpPr>
@@ -1866,7 +1866,7 @@
             <a:spLocks noGrp="1" noChangeArrowheads="1"/>
             <a:extLst>
               <a:ext uri="smNativeData">
-                <pr:smNativeData xmlns:pr="smNativeData" xmlns="smNativeData" val="SMDATA_16_yvWgZxMAAAAlAAAAZAAAAA8BAAAAkAAAAEgAAACQAAAASAAAAAAAAAABAAAAAAAAAAEAAABQAAAAAAAAAAAA4D8AAAAAAADgPwAAAAAAAOA/AAAAAAAA4D8AAAAAAADgPwAAAAAAAOA/AAAAAAAA4D8AAAAAAADgPwAAAAAAAOA/AAAAAAAA4D8CAAAAjAAAAAAAAAAAAAAAu+DjDP///wgAAAAAAAAAAAAAAAAAAAAAAAAAAAAAAAAAAAAAZAAAAAEAAABAAAAAAAAAAAAAAAAAAAAAAAAAAAAAAAAAAAAAAAAAAAAAAAAAAAAAAAAAAAAAAAAAAAAAAAAAAAAAAAAAAAAAAAAAAAAAAAAAAAAAAAAAAAAAAAAAAAAAFAAAADwAAAAAAAAAAAAAAAAAAAkUAAAAAQAAABQAAAAUAAAAFAAAAAEAAAAAAAAAZAAAAGQAAAAAAAAAZAAAAGQAAAAVAAAAYAAAAAAAAAAAAAAADwAAACADAAAAAAAAAAAAAAEAAACgMgAAVgcAAKr4//8BAAAAf39/AAEAAABkAAAAAAAAABQAAABAHwAAAAAAACYAAAAAAAAAwOD//wAAAAAmAAAAZAAAABYAAABMAAAAAAAAAAAAAAAEAAAAAAAAAAEAAACAgIAKAAAAACgAAAAoAAAAZAAAAGQAAAAAAAAAzMzMAAAAAABQAAAAUAAAAGQAAABkAAAAAAAAABcAAAAUAAAAAAAAAAAAAAD/fwAA/38AAAAAAAAJAAAABAAAANw7IAEeAAAAaAAAAAAAAAAAAAAAAAAAAAAAAAAAAAAAECcAABAnAAAAAAAAAAAAAAAAAAAAAAAAAAAAAAAAAAAAAAAAAAAAABQAAAAAAAAAwMD/AAAAAABkAAAAMgAAAAAAAABkAAAAAAAAAH9/fwAKAAAAIgAAABgAAAAAAAAAAAAAAAAAAAAAAAAAAAAAAAAAAAAkAAAAJAAAAAAAAAAHAAAAAAAAAAAAAAAAAAAAAAAAAAAAAAAAAAAAf39/ACUAAABYAAAAAAAAAAAAAAAAAAAAAAAAAAAAAAAAAAAAAAAAAAAAAAAAAAAAAAAAAAAAAAA/AAAAAAAAAKCGAQAAAAAAAAAAAAAAAAAMAAAAAQAAAAAAAAAAAAAAAAAAAB8AAABUAAAAAAAABQAAAAEAAAAAAAAAAAAAAAAAAAAAAAAAAAAAAAAAAAAAAAAAAAAAAAJ/f38AAAAAA8zMzADAwP8Af39/AAAAAAAAAAAAAAAAAAAAAAAAAAAAIQAAABgAAAAUAAAAwAMAABsnAAA/FQAAWSkAABAAAAAmAAAACAAAAAAAAAAAAAAAMAAAABQAAAAAAAAAAAD//wAAAQAAAP//AAABAA=="/>
+                <pr:smNativeData xmlns:pr="smNativeData" xmlns="smNativeData" val="SMDATA_16_D/2gZxMAAAAlAAAAZAAAAA8BAAAAkAAAAEgAAACQAAAASAAAAAAAAAABAAAAAAAAAAEAAABQAAAAAAAAAAAA4D8AAAAAAADgPwAAAAAAAOA/AAAAAAAA4D8AAAAAAADgPwAAAAAAAOA/AAAAAAAA4D8AAAAAAADgPwAAAAAAAOA/AAAAAAAA4D8CAAAAjAAAAAAAAAAAAAAAu+DjDP///wgAAAAAAAAAAAAAAAAAAAAAAAAAAAAAAAAAAAAAZAAAAAEAAABAAAAAAAAAAAAAAAAAAAAAAAAAAAAAAAAAAAAAAAAAAAAAAAAAAAAAAAAAAAAAAAAAAAAAAAAAAAAAAAAAAAAAAAAAAAAAAAAAAAAAAAAAAAAAAAAAAAAAFAAAADwAAAAAAAAAAAAAAAAAAAkUAAAAAQAAABQAAAAUAAAAFAAAAAEAAAAAAAAAZAAAAGQAAAAAAAAAZAAAAGQAAAAVAAAAYAAAAAAAAAAAAAAADwAAACADAAAAAAAAAAAAAAEAAACgMgAAVgcAAKr4//8BAAAAf39/AAEAAABkAAAAAAAAABQAAABAHwAAAAAAACYAAAAAAAAAwOD//wAAAAAmAAAAZAAAABYAAABMAAAAAAAAAAAAAAAEAAAAAAAAAAEAAACAgIAKAAAAACgAAAAoAAAAZAAAAGQAAAAAAAAAzMzMAAAAAABQAAAAUAAAAGQAAABkAAAAAAAAABcAAAAUAAAAAAAAAAAAAAD/fwAA/38AAAAAAAAJAAAABAAAANw7IAEeAAAAaAAAAAAAAAAAAAAAAAAAAAAAAAAAAAAAECcAABAnAAAAAAAAAAAAAAAAAAAAAAAAAAAAAAAAAAAAAAAAAAAAABQAAAAAAAAAwMD/AAAAAABkAAAAMgAAAAAAAABkAAAAAAAAAH9/fwAKAAAAIgAAABgAAAAAAAAAAAAAAAAAAAAAAAAAAAAAAAAAAAAkAAAAJAAAAAAAAAAHAAAAAAAAAAAAAAAAAAAAAAAAAAAAAAAAAAAAf39/ACUAAABYAAAAAAAAAAAAAAAAAAAAAAAAAAAAAAAAAAAAAAAAAAAAAAAAAAAAAAAAAAAAAAA/AAAAAAAAAKCGAQAAAAAAAAAAAAAAAAAMAAAAAQAAAAAAAAAAAAAAAAAAAB8AAABUAAAAAAAABQAAAAEAAAAAAAAAAAAAAAAAAAAAAAAAAAAAAAAAAAAAAAAAAAAAAAJ/f38AAAAAA8zMzADAwP8Af39/AAAAAAAAAAAAAAAAAAAAAAAAAAAAIQAAABgAAAAUAAAAwAMAABsnAAA/FQAAWSkAABAAAAAmAAAACAAAAAAAAAAAAAAAMAAAABQAAAAAAAAAAAD//wAAAQAAAP//AAABAA=="/>
               </a:ext>
             </a:extLst>
           </p:cNvSpPr>
@@ -1880,7 +1880,7 @@
           <a:lstStyle/>
           <a:p>
             <a:pPr/>
-            <a:fld id="{3D143135-7BD0-41C7-9EAC-8D927FE268D8}" type="datetime1">
+            <a:fld id="{3DF99C61-2FD0-AC6A-9E41-D93FD20F688C}" type="datetime1">
               <a:t/>
             </a:fld>
           </a:p>
@@ -1893,7 +1893,7 @@
             <a:spLocks noGrp="1" noChangeArrowheads="1"/>
             <a:extLst>
               <a:ext uri="smNativeData">
-                <pr:smNativeData xmlns:pr="smNativeData" xmlns="smNativeData" val="SMDATA_16_yvWgZxMAAAAlAAAAZAAAAA8BAAAAkAAAAEgAAACQAAAASAAAAAAAAAABAAAAAAAAAAEAAABQAAAAAAAAAAAA4D8AAAAAAADgPwAAAAAAAOA/AAAAAAAA4D8AAAAAAADgPwAAAAAAAOA/AAAAAAAA4D8AAAAAAADgPwAAAAAAAOA/AAAAAAAA4D8CAAAAjAAAAAAAAAAAAAAAu+DjDP///wgAAAAAAAAAAAAAAAAAAAAAAAAAAAAAAAAAAAAAZAAAAAEAAABAAAAAAAAAAAAAAAAAAAAAAAAAAAAAAAAAAAAAAAAAAAAAAAAAAAAAAAAAAAAAAAAAAAAAAAAAAAAAAAAAAAAAAAAAAAAAAAAAAAAAAAAAAAAAAAAAAAAAFAAAADwAAAAAAAAAAAAAAAAAAAkUAAAAAQAAABQAAAAUAAAAFAAAAAEAAAAAAAAAZAAAAGQAAAAAAAAAZAAAAGQAAAAVAAAAYAAAAAAAAAAAAAAADwAAACADAAAAAAAAAAAAAAEAAACgMgAAVgcAAKr4//8BAAAAf39/AAEAAABkAAAAAAAAABQAAABAHwAAAAAAACYAAAAAAAAAwOD//wAAAAAmAAAAZAAAABYAAABMAAAAAAAAAAAAAAAEAAAAAAAAAAEAAACAgIAKAAAAACgAAAAoAAAAZAAAAGQAAAAAAAAAzMzMAAAAAABQAAAAUAAAAGQAAABkAAAAAAAAABcAAAAUAAAAAAAAAAAAAAD/fwAA/38AAAAAAAAJAAAABAAAANw7IAEeAAAAaAAAAAAAAAAAAAAAAAAAAAAAAAAAAAAAECcAABAnAAAAAAAAAAAAAAAAAAAAAAAAAAAAAAAAAAAAAAAAAAAAABQAAAAAAAAAwMD/AAAAAABkAAAAMgAAAAAAAABkAAAAAAAAAH9/fwAKAAAAIgAAABgAAAAAAAAAAAAAAAAAAAAAAAAAAAAAAAAAAAAkAAAAJAAAAAAAAAAHAAAAAAAAAAAAAAAAAAAAAAAAAAAAAAAAAAAAf39/ACUAAABYAAAAAAAAAAAAAAAAAAAAAAAAAAAAAAAAAAAAAAAAAAAAAAAAAAAAAAAAAAAAAAA/AAAAAAAAAKCGAQAAAAAAAAAAAAAAAAAMAAAAAQAAAAAAAAAAAAAAAAAAAB8AAABUAAAAAAAABQAAAAEAAAAAAAAAAAAAAAAAAAAAAAAAAAAAAAAAAAAAAAAAAAAAAAJ/f38AAAAAA8zMzADAwP8Af39/AAAAAAAAAAAAAAAAAAAAAAAAAAAAIQAAABgAAAAUAAAAoRkAABsnAABfMQAAWSkAABAAAAAmAAAACAAAAAAAAAAAAAAAMAAAABQAAAAAAAAAAAD//wAAAQAAAP//AAABAA=="/>
+                <pr:smNativeData xmlns:pr="smNativeData" xmlns="smNativeData" val="SMDATA_16_D/2gZxMAAAAlAAAAZAAAAA8BAAAAkAAAAEgAAACQAAAASAAAAAAAAAABAAAAAAAAAAEAAABQAAAAAAAAAAAA4D8AAAAAAADgPwAAAAAAAOA/AAAAAAAA4D8AAAAAAADgPwAAAAAAAOA/AAAAAAAA4D8AAAAAAADgPwAAAAAAAOA/AAAAAAAA4D8CAAAAjAAAAAAAAAAAAAAAu+DjDP///wgAAAAAAAAAAAAAAAAAAAAAAAAAAAAAAAAAAAAAZAAAAAEAAABAAAAAAAAAAAAAAAAAAAAAAAAAAAAAAAAAAAAAAAAAAAAAAAAAAAAAAAAAAAAAAAAAAAAAAAAAAAAAAAAAAAAAAAAAAAAAAAAAAAAAAAAAAAAAAAAAAAAAFAAAADwAAAAAAAAAAAAAAAAAAAkUAAAAAQAAABQAAAAUAAAAFAAAAAEAAAAAAAAAZAAAAGQAAAAAAAAAZAAAAGQAAAAVAAAAYAAAAAAAAAAAAAAADwAAACADAAAAAAAAAAAAAAEAAACgMgAAVgcAAKr4//8BAAAAf39/AAEAAABkAAAAAAAAABQAAABAHwAAAAAAACYAAAAAAAAAwOD//wAAAAAmAAAAZAAAABYAAABMAAAAAAAAAAAAAAAEAAAAAAAAAAEAAACAgIAKAAAAACgAAAAoAAAAZAAAAGQAAAAAAAAAzMzMAAAAAABQAAAAUAAAAGQAAABkAAAAAAAAABcAAAAUAAAAAAAAAAAAAAD/fwAA/38AAAAAAAAJAAAABAAAANw7IAEeAAAAaAAAAAAAAAAAAAAAAAAAAAAAAAAAAAAAECcAABAnAAAAAAAAAAAAAAAAAAAAAAAAAAAAAAAAAAAAAAAAAAAAABQAAAAAAAAAwMD/AAAAAABkAAAAMgAAAAAAAABkAAAAAAAAAH9/fwAKAAAAIgAAABgAAAAAAAAAAAAAAAAAAAAAAAAAAAAAAAAAAAAkAAAAJAAAAAAAAAAHAAAAAAAAAAAAAAAAAAAAAAAAAAAAAAAAAAAAf39/ACUAAABYAAAAAAAAAAAAAAAAAAAAAAAAAAAAAAAAAAAAAAAAAAAAAAAAAAAAAAAAAAAAAAA/AAAAAAAAAKCGAQAAAAAAAAAAAAAAAAAMAAAAAQAAAAAAAAAAAAAAAAAAAB8AAABUAAAAAAAABQAAAAEAAAAAAAAAAAAAAAAAAAAAAAAAAAAAAAAAAAAAAAAAAAAAAAJ/f38AAAAAA8zMzADAwP8Af39/AAAAAAAAAAAAAAAAAAAAAAAAAAAAIQAAABgAAAAUAAAAoRkAABsnAABfMQAAWSkAABAAAAAmAAAACAAAAAAAAAAAAAAAMAAAABQAAAAAAAAAAAD//wAAAQAAAP//AAABAA=="/>
               </a:ext>
             </a:extLst>
           </p:cNvSpPr>
@@ -1917,7 +1917,7 @@
             <a:spLocks noGrp="1" noChangeArrowheads="1"/>
             <a:extLst>
               <a:ext uri="smNativeData">
-                <pr:smNativeData xmlns:pr="smNativeData" xmlns="smNativeData" val="SMDATA_16_yvWgZxMAAAAlAAAAZAAAAA8BAAAAkAAAAEgAAACQAAAASAAAAAAAAAABAAAAAAAAAAEAAABQAAAAAAAAAAAA4D8AAAAAAADgPwAAAAAAAOA/AAAAAAAA4D8AAAAAAADgPwAAAAAAAOA/AAAAAAAA4D8AAAAAAADgPwAAAAAAAOA/AAAAAAAA4D8CAAAAjAAAAAAAAAAAAAAAu+DjDP///wgAAAAAAAAAAAAAAAAAAAAAAAAAAAAAAAAAAAAAZAAAAAEAAABAAAAAAAAAAAAAAAAAAAAAAAAAAAAAAAAAAAAAAAAAAAAAAAAAAAAAAAAAAAAAAAAAAAAAAAAAAAAAAAAAAAAAAAAAAAAAAAAAAAAAAAAAAAAAAAAAAAAAFAAAADwAAAAAAAAAAAAAAAAAAAkUAAAAAQAAABQAAAAUAAAAFAAAAAEAAAAAAAAAZAAAAGQAAAAAAAAAZAAAAGQAAAAVAAAAYAAAAAAAAAAAAAAADwAAACADAAAAAAAAAAAAAAEAAACgMgAAVgcAAKr4//8BAAAAf39/AAEAAABkAAAAAAAAABQAAABAHwAAAAAAACYAAAAAAAAAwOD//wAAAAAmAAAAZAAAABYAAABMAAAAAAAAAAAAAAAEAAAAAAAAAAEAAACAgIAKAAAAACgAAAAoAAAAZAAAAGQAAAAAAAAAzMzMAAAAAABQAAAAUAAAAGQAAABkAAAAAAAAABcAAAAUAAAAAAAAAAAAAAD/fwAA/38AAAAAAAAJAAAABAAAANw7IAEeAAAAaAAAAAAAAAAAAAAAAAAAAAAAAAAAAAAAECcAABAnAAAAAAAAAAAAAAAAAAAAAAAAAAAAAAAAAAAAAAAAAAAAABQAAAAAAAAAwMD/AAAAAABkAAAAMgAAAAAAAABkAAAAAAAAAH9/fwAKAAAAIgAAABgAAAAAAAAAAAAAAAAAAAAAAAAAAAAAAAAAAAAkAAAAJAAAAAAAAAAHAAAAAAAAAAAAAAAAAAAAAAAAAAAAAAAAAAAAf39/ACUAAABYAAAAAAAAAAAAAAAAAAAAAAAAAAAAAAAAAAAAAAAAAAAAAAAAAAAAAAAAAAAAAAA/AAAAAAAAAKCGAQAAAAAAAAAAAAAAAAAMAAAAAQAAAAAAAAAAAAAAAAAAAB8AAABUAAAAAAAABQAAAAEAAAAAAAAAAAAAAAAAAAAAAAAAAAAAAAAAAAAAAAAAAAAAAAJ/f38AAAAAA8zMzADAwP8Af39/AAAAAAAAAAAAAAAAAAAAAAAAAAAAIQAAABgAAAAUAAAAwTUAABsnAABARwAAWSkAABAAAAAmAAAACAAAAAAAAAAAAAAAMAAAABQAAAAAAAAAAAD//wAAAQAAAP//AAABAA=="/>
+                <pr:smNativeData xmlns:pr="smNativeData" xmlns="smNativeData" val="SMDATA_16_D/2gZxMAAAAlAAAAZAAAAA8BAAAAkAAAAEgAAACQAAAASAAAAAAAAAABAAAAAAAAAAEAAABQAAAAAAAAAAAA4D8AAAAAAADgPwAAAAAAAOA/AAAAAAAA4D8AAAAAAADgPwAAAAAAAOA/AAAAAAAA4D8AAAAAAADgPwAAAAAAAOA/AAAAAAAA4D8CAAAAjAAAAAAAAAAAAAAAu+DjDP///wgAAAAAAAAAAAAAAAAAAAAAAAAAAAAAAAAAAAAAZAAAAAEAAABAAAAAAAAAAAAAAAAAAAAAAAAAAAAAAAAAAAAAAAAAAAAAAAAAAAAAAAAAAAAAAAAAAAAAAAAAAAAAAAAAAAAAAAAAAAAAAAAAAAAAAAAAAAAAAAAAAAAAFAAAADwAAAAAAAAAAAAAAAAAAAkUAAAAAQAAABQAAAAUAAAAFAAAAAEAAAAAAAAAZAAAAGQAAAAAAAAAZAAAAGQAAAAVAAAAYAAAAAAAAAAAAAAADwAAACADAAAAAAAAAAAAAAEAAACgMgAAVgcAAKr4//8BAAAAf39/AAEAAABkAAAAAAAAABQAAABAHwAAAAAAACYAAAAAAAAAwOD//wAAAAAmAAAAZAAAABYAAABMAAAAAAAAAAAAAAAEAAAAAAAAAAEAAACAgIAKAAAAACgAAAAoAAAAZAAAAGQAAAAAAAAAzMzMAAAAAABQAAAAUAAAAGQAAABkAAAAAAAAABcAAAAUAAAAAAAAAAAAAAD/fwAA/38AAAAAAAAJAAAABAAAANw7IAEeAAAAaAAAAAAAAAAAAAAAAAAAAAAAAAAAAAAAECcAABAnAAAAAAAAAAAAAAAAAAAAAAAAAAAAAAAAAAAAAAAAAAAAABQAAAAAAAAAwMD/AAAAAABkAAAAMgAAAAAAAABkAAAAAAAAAH9/fwAKAAAAIgAAABgAAAAAAAAAAAAAAAAAAAAAAAAAAAAAAAAAAAAkAAAAJAAAAAAAAAAHAAAAAAAAAAAAAAAAAAAAAAAAAAAAAAAAAAAAf39/ACUAAABYAAAAAAAAAAAAAAAAAAAAAAAAAAAAAAAAAAAAAAAAAAAAAAAAAAAAAAAAAAAAAAA/AAAAAAAAAKCGAQAAAAAAAAAAAAAAAAAMAAAAAQAAAAAAAAAAAAAAAAAAAB8AAABUAAAAAAAABQAAAAEAAAAAAAAAAAAAAAAAAAAAAAAAAAAAAAAAAAAAAAAAAAAAAAJ/f38AAAAAA8zMzADAwP8Af39/AAAAAAAAAAAAAAAAAAAAAAAAAAAAIQAAABgAAAAUAAAAwTUAABsnAABARwAAWSkAABAAAAAmAAAACAAAAAAAAAAAAAAAMAAAABQAAAAAAAAAAAD//wAAAQAAAP//AAABAA=="/>
               </a:ext>
             </a:extLst>
           </p:cNvSpPr>
@@ -1931,7 +1931,7 @@
           <a:lstStyle/>
           <a:p>
             <a:pPr/>
-            <a:fld id="{3D1429F2-BCD0-41DF-9EAC-4A8A67E2681F}" type="slidenum">
+            <a:fld id="{3DF9E63D-73D0-AC10-9E41-8545A80F68D0}" type="slidenum">
               <a:t/>
             </a:fld>
           </a:p>
@@ -1970,7 +1970,7 @@
             <a:spLocks noGrp="1" noChangeArrowheads="1"/>
             <a:extLst>
               <a:ext uri="smNativeData">
-                <pr:smNativeData xmlns:pr="smNativeData" xmlns="smNativeData" val="SMDATA_16_yvWgZxMAAAAlAAAAZAAAAA8BAAAAkAAAAEgAAACQAAAASAAAAAAAAAABAAAAAAAAAAEAAABQAAAAAAAAAAAA4D8AAAAAAADgPwAAAAAAAOA/AAAAAAAA4D8AAAAAAADgPwAAAAAAAOA/AAAAAAAA4D8AAAAAAADgPwAAAAAAAOA/AAAAAAAA4D8CAAAAjAAAAAAAAAAAAAAAu+DjDP///wgAAAAAAAAAAAAAAAAAAAAAAAAAAAAAAAAAAAAAZAAAAAEAAABAAAAAAAAAAAAAAAAAAAAAAAAAAAAAAAAAAAAAAAAAAAAAAAAAAAAAAAAAAAAAAAAAAAAAAAAAAAAAAAAAAAAAAAAAAAAAAAAAAAAAAAAAAAAAAAAAAAAAFAAAADwAAAAAAAAAAAAAAAAAAAkUAAAAAQAAABQAAAAUAAAAFAAAAAEAAAAAAAAAZAAAAGQAAAAAAAAAZAAAAGQAAAAVAAAAYAAAAAAAAAAAAAAADwAAACADAAAAAAAAAAAAAAEAAACgMgAAVgcAAKr4//8BAAAAf39/AAEAAABkAAAAAAAAABQAAABAHwAAAAAAACYAAAAAAAAAwOD//wAAAAAmAAAAZAAAABYAAABMAAAAAAAAAAAAAAAEAAAAAAAAAAEAAACAgIAKAAAAACgAAAAoAAAAZAAAAGQAAAAAAAAAzMzMAAAAAABQAAAAUAAAAGQAAABkAAAAAAAAABcAAAAUAAAAAAAAAAAAAAD/fwAA/38AAAAAAAAJAAAABAAAANw7IAEeAAAAaAAAAAAAAAAAAAAAAAAAAAAAAAAAAAAAECcAABAnAAAAAAAAAAAAAAAAAAAAAAAAAAAAAAAAAAAAAAAAAAAAABQAAAAAAAAAwMD/AAAAAABkAAAAMgAAAAAAAABkAAAAAAAAAH9/fwAKAAAAIgAAABgAAAAAAAAAAAAAAAAAAAAAAAAAAAAAAAAAAAAkAAAAJAAAAAAAAAAHAAAAAAAAAAAAAAAAAAAAAAAAAAAAAAAAAAAAf39/ACUAAABYAAAAAAAAAAAAAAAAAAAAAAAAAAAAAAAAAAAAAAAAAAAAAAAAAAAAAAAAAAAAAAA/AAAAAAAAAKCGAQAAAAAAAAAAAAAAAAAMAAAAAQAAAAAAAAAAAAAAAAAAAB8AAABUAAAAAAAABQAAAAEAAAAAAAAAAAAAAAAAAAAAAAAAAAAAAAAAAAAAAAAAAAAAAAJ/f38AAAAAA8zMzADAwP8Af39/AAAAAAAAAAAAAAAAAAAAAAAAAAAAIQAAABgAAAAUAAAAwAMAALABAABARwAAuAgAABAAAAAmAAAACAAAAAAAAAAAAAAAMAAAABQAAAAAAAAAAAD//wAAAQAAAP//AAABAA=="/>
+                <pr:smNativeData xmlns:pr="smNativeData" xmlns="smNativeData" val="SMDATA_16_D/2gZxMAAAAlAAAAZAAAAA8BAAAAkAAAAEgAAACQAAAASAAAAAAAAAABAAAAAAAAAAEAAABQAAAAAAAAAAAA4D8AAAAAAADgPwAAAAAAAOA/AAAAAAAA4D8AAAAAAADgPwAAAAAAAOA/AAAAAAAA4D8AAAAAAADgPwAAAAAAAOA/AAAAAAAA4D8CAAAAjAAAAAAAAAAAAAAAu+DjDP///wgAAAAAAAAAAAAAAAAAAAAAAAAAAAAAAAAAAAAAZAAAAAEAAABAAAAAAAAAAAAAAAAAAAAAAAAAAAAAAAAAAAAAAAAAAAAAAAAAAAAAAAAAAAAAAAAAAAAAAAAAAAAAAAAAAAAAAAAAAAAAAAAAAAAAAAAAAAAAAAAAAAAAFAAAADwAAAAAAAAAAAAAAAAAAAkUAAAAAQAAABQAAAAUAAAAFAAAAAEAAAAAAAAAZAAAAGQAAAAAAAAAZAAAAGQAAAAVAAAAYAAAAAAAAAAAAAAADwAAACADAAAAAAAAAAAAAAEAAACgMgAAVgcAAKr4//8BAAAAf39/AAEAAABkAAAAAAAAABQAAABAHwAAAAAAACYAAAAAAAAAwOD//wAAAAAmAAAAZAAAABYAAABMAAAAAAAAAAAAAAAEAAAAAAAAAAEAAACAgIAKAAAAACgAAAAoAAAAZAAAAGQAAAAAAAAAzMzMAAAAAABQAAAAUAAAAGQAAABkAAAAAAAAABcAAAAUAAAAAAAAAAAAAAD/fwAA/38AAAAAAAAJAAAABAAAANw7IAEeAAAAaAAAAAAAAAAAAAAAAAAAAAAAAAAAAAAAECcAABAnAAAAAAAAAAAAAAAAAAAAAAAAAAAAAAAAAAAAAAAAAAAAABQAAAAAAAAAwMD/AAAAAABkAAAAMgAAAAAAAABkAAAAAAAAAH9/fwAKAAAAIgAAABgAAAAAAAAAAAAAAAAAAAAAAAAAAAAAAAAAAAAkAAAAJAAAAAAAAAAHAAAAAAAAAAAAAAAAAAAAAAAAAAAAAAAAAAAAf39/ACUAAABYAAAAAAAAAAAAAAAAAAAAAAAAAAAAAAAAAAAAAAAAAAAAAAAAAAAAAAAAAAAAAAA/AAAAAAAAAKCGAQAAAAAAAAAAAAAAAAAMAAAAAQAAAAAAAAAAAAAAAAAAAB8AAABUAAAAAAAABQAAAAEAAAAAAAAAAAAAAAAAAAAAAAAAAAAAAAAAAAAAAAAAAAAAAAJ/f38AAAAAA8zMzADAwP8Af39/AAAAAAAAAAAAAAAAAAAAAAAAAAAAIQAAABgAAAAUAAAAwAMAALABAABARwAAuAgAABAAAAAmAAAACAAAAAAAAAAAAAAAMAAAABQAAAAAAAAAAAD//wAAAQAAAP//AAABAA=="/>
               </a:ext>
             </a:extLst>
           </p:cNvSpPr>
@@ -1997,7 +1997,7 @@
             <a:spLocks noGrp="1" noChangeArrowheads="1"/>
             <a:extLst>
               <a:ext uri="smNativeData">
-                <pr:smNativeData xmlns:pr="smNativeData" xmlns="smNativeData" val="SMDATA_16_yvWgZxMAAAAlAAAAZAAAAA8BAAAAkAAAAEgAAACQAAAASAAAAAAAAAABAAAAAAAAAAEAAABQAAAAAAAAAAAA4D8AAAAAAADgPwAAAAAAAOA/AAAAAAAA4D8AAAAAAADgPwAAAAAAAOA/AAAAAAAA4D8AAAAAAADgPwAAAAAAAOA/AAAAAAAA4D8CAAAAjAAAAAAAAAAAAAAAu+DjDP///wgAAAAAAAAAAAAAAAAAAAAAAAAAAAAAAAAAAAAAZAAAAAEAAABAAAAAAAAAAAAAAAAAAAAAAAAAAAAAAAAAAAAAAAAAAAAAAAAAAAAAAAAAAAAAAAAAAAAAAAAAAAAAAAAAAAAAAAAAAAAAAAAAAAAAAAAAAAAAAAAAAAAAFAAAADwAAAAAAAAAAAAAAAAAAAkUAAAAAQAAABQAAAAUAAAAFAAAAAEAAAAAAAAAZAAAAGQAAAAAAAAAZAAAAGQAAAAVAAAAYAAAAAAAAAAAAAAADwAAACADAAAAAAAAAAAAAAEAAACgMgAAVgcAAKr4//8BAAAAf39/AAEAAABkAAAAAAAAABQAAABAHwAAAAAAACYAAAAAAAAAwOD//wAAAAAmAAAAZAAAABYAAABMAAAAAAAAAAAAAAAEAAAAAAAAAAEAAACAgIAKAAAAACgAAAAoAAAAZAAAAGQAAAAAAAAAzMzMAAAAAABQAAAAUAAAAGQAAABkAAAAAAAAABcAAAAUAAAAAAAAAAAAAAD/fwAA/38AAAAAAAAJAAAABAAAANw7IAEeAAAAaAAAAAAAAAAAAAAAAAAAAAAAAAAAAAAAECcAABAnAAAAAAAAAAAAAAAAAAAAAAAAAAAAAAAAAAAAAAAAAAAAABQAAAAAAAAAwMD/AAAAAABkAAAAMgAAAAAAAABkAAAAAAAAAH9/fwAKAAAAIgAAABgAAAAAAAAAAAAAAAAAAAAAAAAAAAAAAAAAAAAkAAAAJAAAAAAAAAAHAAAAAAAAAAAAAAAAAAAAAAAAAAAAAAAAAAAAf39/ACUAAABYAAAAAAAAAAAAAAAAAAAAAAAAAAAAAAAAAAAAAAAAAAAAAAAAAAAAAAAAAAAAAAA/AAAAAAAAAKCGAQAAAAAAAAAAAAAAAAAMAAAAAQAAAAAAAAAAAAAAAAAAAB8AAABUAAAAAAAABQAAAAEAAAAAAAAAAAAAAAAAAAAAAAAAAAAAAAAAAAAAAAAAAAAAAAJ/f38AAAAAA8zMzADAwP8Af39/AAAAAAAAAAAAAAAAAAAAAAAAAAAAIQAAABgAAAAUAAAAwAMAABsnAAA/FQAAWSkAABAAAAAmAAAACAAAAAAAAAAAAAAAMAAAABQAAAAAAAAAAAD//wAAAQAAAP//AAABAA=="/>
+                <pr:smNativeData xmlns:pr="smNativeData" xmlns="smNativeData" val="SMDATA_16_D/2gZxMAAAAlAAAAZAAAAA8BAAAAkAAAAEgAAACQAAAASAAAAAAAAAABAAAAAAAAAAEAAABQAAAAAAAAAAAA4D8AAAAAAADgPwAAAAAAAOA/AAAAAAAA4D8AAAAAAADgPwAAAAAAAOA/AAAAAAAA4D8AAAAAAADgPwAAAAAAAOA/AAAAAAAA4D8CAAAAjAAAAAAAAAAAAAAAu+DjDP///wgAAAAAAAAAAAAAAAAAAAAAAAAAAAAAAAAAAAAAZAAAAAEAAABAAAAAAAAAAAAAAAAAAAAAAAAAAAAAAAAAAAAAAAAAAAAAAAAAAAAAAAAAAAAAAAAAAAAAAAAAAAAAAAAAAAAAAAAAAAAAAAAAAAAAAAAAAAAAAAAAAAAAFAAAADwAAAAAAAAAAAAAAAAAAAkUAAAAAQAAABQAAAAUAAAAFAAAAAEAAAAAAAAAZAAAAGQAAAAAAAAAZAAAAGQAAAAVAAAAYAAAAAAAAAAAAAAADwAAACADAAAAAAAAAAAAAAEAAACgMgAAVgcAAKr4//8BAAAAf39/AAEAAABkAAAAAAAAABQAAABAHwAAAAAAACYAAAAAAAAAwOD//wAAAAAmAAAAZAAAABYAAABMAAAAAAAAAAAAAAAEAAAAAAAAAAEAAACAgIAKAAAAACgAAAAoAAAAZAAAAGQAAAAAAAAAzMzMAAAAAABQAAAAUAAAAGQAAABkAAAAAAAAABcAAAAUAAAAAAAAAAAAAAD/fwAA/38AAAAAAAAJAAAABAAAANw7IAEeAAAAaAAAAAAAAAAAAAAAAAAAAAAAAAAAAAAAECcAABAnAAAAAAAAAAAAAAAAAAAAAAAAAAAAAAAAAAAAAAAAAAAAABQAAAAAAAAAwMD/AAAAAABkAAAAMgAAAAAAAABkAAAAAAAAAH9/fwAKAAAAIgAAABgAAAAAAAAAAAAAAAAAAAAAAAAAAAAAAAAAAAAkAAAAJAAAAAAAAAAHAAAAAAAAAAAAAAAAAAAAAAAAAAAAAAAAAAAAf39/ACUAAABYAAAAAAAAAAAAAAAAAAAAAAAAAAAAAAAAAAAAAAAAAAAAAAAAAAAAAAAAAAAAAAA/AAAAAAAAAKCGAQAAAAAAAAAAAAAAAAAMAAAAAQAAAAAAAAAAAAAAAAAAAB8AAABUAAAAAAAABQAAAAEAAAAAAAAAAAAAAAAAAAAAAAAAAAAAAAAAAAAAAAAAAAAAAAJ/f38AAAAAA8zMzADAwP8Af39/AAAAAAAAAAAAAAAAAAAAAAAAAAAAIQAAABgAAAAUAAAAwAMAABsnAAA/FQAAWSkAABAAAAAmAAAACAAAAAAAAAAAAAAAMAAAABQAAAAAAAAAAAD//wAAAQAAAP//AAABAA=="/>
               </a:ext>
             </a:extLst>
           </p:cNvSpPr>
@@ -2011,7 +2011,7 @@
           <a:lstStyle/>
           <a:p>
             <a:pPr/>
-            <a:fld id="{3D144EE1-AFD0-41B8-9EAC-59ED00E2680C}" type="datetime1">
+            <a:fld id="{3DF9E30C-42D0-AC15-9E41-B440AD0F68E1}" type="datetime1">
               <a:t/>
             </a:fld>
           </a:p>
@@ -2024,7 +2024,7 @@
             <a:spLocks noGrp="1" noChangeArrowheads="1"/>
             <a:extLst>
               <a:ext uri="smNativeData">
-                <pr:smNativeData xmlns:pr="smNativeData" xmlns="smNativeData" val="SMDATA_16_yvWgZxMAAAAlAAAAZAAAAA8BAAAAkAAAAEgAAACQAAAASAAAAAAAAAABAAAAAAAAAAEAAABQAAAAAAAAAAAA4D8AAAAAAADgPwAAAAAAAOA/AAAAAAAA4D8AAAAAAADgPwAAAAAAAOA/AAAAAAAA4D8AAAAAAADgPwAAAAAAAOA/AAAAAAAA4D8CAAAAjAAAAAAAAAAAAAAAu+DjDP///wgAAAAAAAAAAAAAAAAAAAAAAAAAAAAAAAAAAAAAZAAAAAEAAABAAAAAAAAAAAAAAAAAAAAAAAAAAAAAAAAAAAAAAAAAAAAAAAAAAAAAAAAAAAAAAAAAAAAAAAAAAAAAAAAAAAAAAAAAAAAAAAAAAAAAAAAAAAAAAAAAAAAAFAAAADwAAAAAAAAAAAAAAAAAAAkUAAAAAQAAABQAAAAUAAAAFAAAAAEAAAAAAAAAZAAAAGQAAAAAAAAAZAAAAGQAAAAVAAAAYAAAAAAAAAAAAAAADwAAACADAAAAAAAAAAAAAAEAAACgMgAAVgcAAKr4//8BAAAAf39/AAEAAABkAAAAAAAAABQAAABAHwAAAAAAACYAAAAAAAAAwOD//wAAAAAmAAAAZAAAABYAAABMAAAAAAAAAAAAAAAEAAAAAAAAAAEAAACAgIAKAAAAACgAAAAoAAAAZAAAAGQAAAAAAAAAzMzMAAAAAABQAAAAUAAAAGQAAABkAAAAAAAAABcAAAAUAAAAAAAAAAAAAAD/fwAA/38AAAAAAAAJAAAABAAAANw7IAEeAAAAaAAAAAAAAAAAAAAAAAAAAAAAAAAAAAAAECcAABAnAAAAAAAAAAAAAAAAAAAAAAAAAAAAAAAAAAAAAAAAAAAAABQAAAAAAAAAwMD/AAAAAABkAAAAMgAAAAAAAABkAAAAAAAAAH9/fwAKAAAAIgAAABgAAAAAAAAAAAAAAAAAAAAAAAAAAAAAAAAAAAAkAAAAJAAAAAAAAAAHAAAAAAAAAAAAAAAAAAAAAAAAAAAAAAAAAAAAf39/ACUAAABYAAAAAAAAAAAAAAAAAAAAAAAAAAAAAAAAAAAAAAAAAAAAAAAAAAAAAAAAAAAAAAA/AAAAAAAAAKCGAQAAAAAAAAAAAAAAAAAMAAAAAQAAAAAAAAAAAAAAAAAAAB8AAABUAAAAAAAABQAAAAEAAAAAAAAAAAAAAAAAAAAAAAAAAAAAAAAAAAAAAAAAAAAAAAJ/f38AAAAAA8zMzADAwP8Af39/AAAAAAAAAAAAAAAAAAAAAAAAAAAAIQAAABgAAAAUAAAAoRkAABsnAABfMQAAWSkAABAAAAAmAAAACAAAAAAAAAAAAAAAMAAAABQAAAAAAAAAAAD//wAAAQAAAP//AAABAA=="/>
+                <pr:smNativeData xmlns:pr="smNativeData" xmlns="smNativeData" val="SMDATA_16_D/2gZxMAAAAlAAAAZAAAAA8BAAAAkAAAAEgAAACQAAAASAAAAAAAAAABAAAAAAAAAAEAAABQAAAAAAAAAAAA4D8AAAAAAADgPwAAAAAAAOA/AAAAAAAA4D8AAAAAAADgPwAAAAAAAOA/AAAAAAAA4D8AAAAAAADgPwAAAAAAAOA/AAAAAAAA4D8CAAAAjAAAAAAAAAAAAAAAu+DjDP///wgAAAAAAAAAAAAAAAAAAAAAAAAAAAAAAAAAAAAAZAAAAAEAAABAAAAAAAAAAAAAAAAAAAAAAAAAAAAAAAAAAAAAAAAAAAAAAAAAAAAAAAAAAAAAAAAAAAAAAAAAAAAAAAAAAAAAAAAAAAAAAAAAAAAAAAAAAAAAAAAAAAAAFAAAADwAAAAAAAAAAAAAAAAAAAkUAAAAAQAAABQAAAAUAAAAFAAAAAEAAAAAAAAAZAAAAGQAAAAAAAAAZAAAAGQAAAAVAAAAYAAAAAAAAAAAAAAADwAAACADAAAAAAAAAAAAAAEAAACgMgAAVgcAAKr4//8BAAAAf39/AAEAAABkAAAAAAAAABQAAABAHwAAAAAAACYAAAAAAAAAwOD//wAAAAAmAAAAZAAAABYAAABMAAAAAAAAAAAAAAAEAAAAAAAAAAEAAACAgIAKAAAAACgAAAAoAAAAZAAAAGQAAAAAAAAAzMzMAAAAAABQAAAAUAAAAGQAAABkAAAAAAAAABcAAAAUAAAAAAAAAAAAAAD/fwAA/38AAAAAAAAJAAAABAAAANw7IAEeAAAAaAAAAAAAAAAAAAAAAAAAAAAAAAAAAAAAECcAABAnAAAAAAAAAAAAAAAAAAAAAAAAAAAAAAAAAAAAAAAAAAAAABQAAAAAAAAAwMD/AAAAAABkAAAAMgAAAAAAAABkAAAAAAAAAH9/fwAKAAAAIgAAABgAAAAAAAAAAAAAAAAAAAAAAAAAAAAAAAAAAAAkAAAAJAAAAAAAAAAHAAAAAAAAAAAAAAAAAAAAAAAAAAAAAAAAAAAAf39/ACUAAABYAAAAAAAAAAAAAAAAAAAAAAAAAAAAAAAAAAAAAAAAAAAAAAAAAAAAAAAAAAAAAAA/AAAAAAAAAKCGAQAAAAAAAAAAAAAAAAAMAAAAAQAAAAAAAAAAAAAAAAAAAB8AAABUAAAAAAAABQAAAAEAAAAAAAAAAAAAAAAAAAAAAAAAAAAAAAAAAAAAAAAAAAAAAAJ/f38AAAAAA8zMzADAwP8Af39/AAAAAAAAAAAAAAAAAAAAAAAAAAAAIQAAABgAAAAUAAAAoRkAABsnAABfMQAAWSkAABAAAAAmAAAACAAAAAAAAAAAAAAAMAAAABQAAAAAAAAAAAD//wAAAQAAAP//AAABAA=="/>
               </a:ext>
             </a:extLst>
           </p:cNvSpPr>
@@ -2048,7 +2048,7 @@
             <a:spLocks noGrp="1" noChangeArrowheads="1"/>
             <a:extLst>
               <a:ext uri="smNativeData">
-                <pr:smNativeData xmlns:pr="smNativeData" xmlns="smNativeData" val="SMDATA_16_yvWgZxMAAAAlAAAAZAAAAA8BAAAAkAAAAEgAAACQAAAASAAAAAAAAAABAAAAAAAAAAEAAABQAAAAAAAAAAAA4D8AAAAAAADgPwAAAAAAAOA/AAAAAAAA4D8AAAAAAADgPwAAAAAAAOA/AAAAAAAA4D8AAAAAAADgPwAAAAAAAOA/AAAAAAAA4D8CAAAAjAAAAAAAAAAAAAAAu+DjDP///wgAAAAAAAAAAAAAAAAAAAAAAAAAAAAAAAAAAAAAZAAAAAEAAABAAAAAAAAAAAAAAAAAAAAAAAAAAAAAAAAAAAAAAAAAAAAAAAAAAAAAAAAAAAAAAAAAAAAAAAAAAAAAAAAAAAAAAAAAAAAAAAAAAAAAAAAAAAAAAAAAAAAAFAAAADwAAAAAAAAAAAAAAAAAAAkUAAAAAQAAABQAAAAUAAAAFAAAAAEAAAAAAAAAZAAAAGQAAAAAAAAAZAAAAGQAAAAVAAAAYAAAAAAAAAAAAAAADwAAACADAAAAAAAAAAAAAAEAAACgMgAAVgcAAKr4//8BAAAAf39/AAEAAABkAAAAAAAAABQAAABAHwAAAAAAACYAAAAAAAAAwOD//wAAAAAmAAAAZAAAABYAAABMAAAAAAAAAAAAAAAEAAAAAAAAAAEAAACAgIAKAAAAACgAAAAoAAAAZAAAAGQAAAAAAAAAzMzMAAAAAABQAAAAUAAAAGQAAABkAAAAAAAAABcAAAAUAAAAAAAAAAAAAAD/fwAA/38AAAAAAAAJAAAABAAAANw7IAEeAAAAaAAAAAAAAAAAAAAAAAAAAAAAAAAAAAAAECcAABAnAAAAAAAAAAAAAAAAAAAAAAAAAAAAAAAAAAAAAAAAAAAAABQAAAAAAAAAwMD/AAAAAABkAAAAMgAAAAAAAABkAAAAAAAAAH9/fwAKAAAAIgAAABgAAAAAAAAAAAAAAAAAAAAAAAAAAAAAAAAAAAAkAAAAJAAAAAAAAAAHAAAAAAAAAAAAAAAAAAAAAAAAAAAAAAAAAAAAf39/ACUAAABYAAAAAAAAAAAAAAAAAAAAAAAAAAAAAAAAAAAAAAAAAAAAAAAAAAAAAAAAAAAAAAA/AAAAAAAAAKCGAQAAAAAAAAAAAAAAAAAMAAAAAQAAAAAAAAAAAAAAAAAAAB8AAABUAAAAAAAABQAAAAEAAAAAAAAAAAAAAAAAAAAAAAAAAAAAAAAAAAAAAAAAAAAAAAJ/f38AAAAAA8zMzADAwP8Af39/AAAAAAAAAAAAAAAAAAAAAAAAAAAAIQAAABgAAAAUAAAAwTUAABsnAABARwAAWSkAABAAAAAmAAAACAAAAAAAAAAAAAAAMAAAABQAAAAAAAAAAAD//wAAAQAAAP//AAABAA=="/>
+                <pr:smNativeData xmlns:pr="smNativeData" xmlns="smNativeData" val="SMDATA_16_D/2gZxMAAAAlAAAAZAAAAA8BAAAAkAAAAEgAAACQAAAASAAAAAAAAAABAAAAAAAAAAEAAABQAAAAAAAAAAAA4D8AAAAAAADgPwAAAAAAAOA/AAAAAAAA4D8AAAAAAADgPwAAAAAAAOA/AAAAAAAA4D8AAAAAAADgPwAAAAAAAOA/AAAAAAAA4D8CAAAAjAAAAAAAAAAAAAAAu+DjDP///wgAAAAAAAAAAAAAAAAAAAAAAAAAAAAAAAAAAAAAZAAAAAEAAABAAAAAAAAAAAAAAAAAAAAAAAAAAAAAAAAAAAAAAAAAAAAAAAAAAAAAAAAAAAAAAAAAAAAAAAAAAAAAAAAAAAAAAAAAAAAAAAAAAAAAAAAAAAAAAAAAAAAAFAAAADwAAAAAAAAAAAAAAAAAAAkUAAAAAQAAABQAAAAUAAAAFAAAAAEAAAAAAAAAZAAAAGQAAAAAAAAAZAAAAGQAAAAVAAAAYAAAAAAAAAAAAAAADwAAACADAAAAAAAAAAAAAAEAAACgMgAAVgcAAKr4//8BAAAAf39/AAEAAABkAAAAAAAAABQAAABAHwAAAAAAACYAAAAAAAAAwOD//wAAAAAmAAAAZAAAABYAAABMAAAAAAAAAAAAAAAEAAAAAAAAAAEAAACAgIAKAAAAACgAAAAoAAAAZAAAAGQAAAAAAAAAzMzMAAAAAABQAAAAUAAAAGQAAABkAAAAAAAAABcAAAAUAAAAAAAAAAAAAAD/fwAA/38AAAAAAAAJAAAABAAAANw7IAEeAAAAaAAAAAAAAAAAAAAAAAAAAAAAAAAAAAAAECcAABAnAAAAAAAAAAAAAAAAAAAAAAAAAAAAAAAAAAAAAAAAAAAAABQAAAAAAAAAwMD/AAAAAABkAAAAMgAAAAAAAABkAAAAAAAAAH9/fwAKAAAAIgAAABgAAAAAAAAAAAAAAAAAAAAAAAAAAAAAAAAAAAAkAAAAJAAAAAAAAAAHAAAAAAAAAAAAAAAAAAAAAAAAAAAAAAAAAAAAf39/ACUAAABYAAAAAAAAAAAAAAAAAAAAAAAAAAAAAAAAAAAAAAAAAAAAAAAAAAAAAAAAAAAAAAA/AAAAAAAAAKCGAQAAAAAAAAAAAAAAAAAMAAAAAQAAAAAAAAAAAAAAAAAAAB8AAABUAAAAAAAABQAAAAEAAAAAAAAAAAAAAAAAAAAAAAAAAAAAAAAAAAAAAAAAAAAAAAJ/f38AAAAAA8zMzADAwP8Af39/AAAAAAAAAAAAAAAAAAAAAAAAAAAAIQAAABgAAAAUAAAAwTUAABsnAABARwAAWSkAABAAAAAmAAAACAAAAAAAAAAAAAAAMAAAABQAAAAAAAAAAAD//wAAAQAAAP//AAABAA=="/>
               </a:ext>
             </a:extLst>
           </p:cNvSpPr>
@@ -2062,7 +2062,7 @@
           <a:lstStyle/>
           <a:p>
             <a:pPr/>
-            <a:fld id="{3D144C0B-45D0-41BA-9EAC-B3EF02E268E6}" type="slidenum">
+            <a:fld id="{3DF9ABBB-F5D0-AC5D-9E41-0308E50F6856}" type="slidenum">
               <a:t/>
             </a:fld>
           </a:p>
@@ -2101,7 +2101,7 @@
             <a:spLocks noGrp="1" noChangeArrowheads="1"/>
             <a:extLst>
               <a:ext uri="smNativeData">
-                <pr:smNativeData xmlns:pr="smNativeData" xmlns="smNativeData" val="SMDATA_16_yvWgZxMAAAAlAAAAZAAAAA8BAAAAkAAAAEgAAACQAAAASAAAAAAAAAABAAAAAAAAAAEAAABQAAAAAAAAAAAA4D8AAAAAAADgPwAAAAAAAOA/AAAAAAAA4D8AAAAAAADgPwAAAAAAAOA/AAAAAAAA4D8AAAAAAADgPwAAAAAAAOA/AAAAAAAA4D8CAAAAjAAAAAAAAAAAAAAAu+DjDP///wgAAAAAAAAAAAAAAAAAAAAAAAAAAAAAAAAAAAAAZAAAAAEAAABAAAAAAAAAAAAAAAAAAAAAAAAAAAAAAAAAAAAAAAAAAAAAAAAAAAAAAAAAAAAAAAAAAAAAAAAAAAAAAAAAAAAAAAAAAAAAAAAAAAAAAAAAAAAAAAAAAAAAFAAAADwAAAAAAAAAAAAAAAAAAAkUAAAAAQAAABQAAAAUAAAAFAAAAAEAAAAAAAAAZAAAAGQAAAAAAAAAZAAAAGQAAAAVAAAAYAAAAAAAAAAAAAAADwAAACADAAAAAAAAAAAAAAEAAACgMgAAVgcAAKr4//8BAAAAf39/AAEAAABkAAAAAAAAABQAAABAHwAAAAAAACYAAAAAAAAAwOD//wAAAAAmAAAAZAAAABYAAABMAAAAAAAAAAAAAAAEAAAAAAAAAAEAAACAgIAKAAAAACgAAAAoAAAAZAAAAGQAAAAAAAAAzMzMAAAAAABQAAAAUAAAAGQAAABkAAAAAAAAABcAAAAUAAAAAAAAAAAAAAD/fwAA/38AAAAAAAAJAAAABAAAANw7IAEeAAAAaAAAAAAAAAAAAAAAAAAAAAAAAAAAAAAAECcAABAnAAAAAAAAAAAAAAAAAAAAAAAAAAAAAAAAAAAAAAAAAAAAABQAAAAAAAAAwMD/AAAAAABkAAAAMgAAAAAAAABkAAAAAAAAAH9/fwAKAAAAIgAAABgAAAAAAAAAAAAAAAAAAAAAAAAAAAAAAAAAAAAkAAAAJAAAAAAAAAAHAAAAAAAAAAAAAAAAAAAAAAAAAAAAAAAAAAAAf39/ACUAAABYAAAAAAAAAAAAAAAAAAAAAAAAAAAAAAAAAAAAAAAAAAAAAAAAAAAAAAAAAAAAAAA/AAAAAAAAAKCGAQAAAAAAAAAAAAAAAAAMAAAAAQAAAAAAAAAAAAAAAAAAAB8AAABUAAAAAAAABQAAAAEAAAAAAAAAAAAAAAAAAAAAAAAAAAAAAAAAAAAAAAAAAAAAAAJ/f38AAAAAA8zMzADAwP8Af39/AAAAAAAAAAAAAAAAAAAAAAAAAAAAIQAAABgAAAAUAAAAwAMAABsnAAA/FQAAWSkAABAAAAAmAAAACAAAAAAAAAAAAAAAMAAAABQAAAAAAAAAAAD//wAAAQAAAP//AAABAA=="/>
+                <pr:smNativeData xmlns:pr="smNativeData" xmlns="smNativeData" val="SMDATA_16_D/2gZxMAAAAlAAAAZAAAAA8BAAAAkAAAAEgAAACQAAAASAAAAAAAAAABAAAAAAAAAAEAAABQAAAAAAAAAAAA4D8AAAAAAADgPwAAAAAAAOA/AAAAAAAA4D8AAAAAAADgPwAAAAAAAOA/AAAAAAAA4D8AAAAAAADgPwAAAAAAAOA/AAAAAAAA4D8CAAAAjAAAAAAAAAAAAAAAu+DjDP///wgAAAAAAAAAAAAAAAAAAAAAAAAAAAAAAAAAAAAAZAAAAAEAAABAAAAAAAAAAAAAAAAAAAAAAAAAAAAAAAAAAAAAAAAAAAAAAAAAAAAAAAAAAAAAAAAAAAAAAAAAAAAAAAAAAAAAAAAAAAAAAAAAAAAAAAAAAAAAAAAAAAAAFAAAADwAAAAAAAAAAAAAAAAAAAkUAAAAAQAAABQAAAAUAAAAFAAAAAEAAAAAAAAAZAAAAGQAAAAAAAAAZAAAAGQAAAAVAAAAYAAAAAAAAAAAAAAADwAAACADAAAAAAAAAAAAAAEAAACgMgAAVgcAAKr4//8BAAAAf39/AAEAAABkAAAAAAAAABQAAABAHwAAAAAAACYAAAAAAAAAwOD//wAAAAAmAAAAZAAAABYAAABMAAAAAAAAAAAAAAAEAAAAAAAAAAEAAACAgIAKAAAAACgAAAAoAAAAZAAAAGQAAAAAAAAAzMzMAAAAAABQAAAAUAAAAGQAAABkAAAAAAAAABcAAAAUAAAAAAAAAAAAAAD/fwAA/38AAAAAAAAJAAAABAAAANw7IAEeAAAAaAAAAAAAAAAAAAAAAAAAAAAAAAAAAAAAECcAABAnAAAAAAAAAAAAAAAAAAAAAAAAAAAAAAAAAAAAAAAAAAAAABQAAAAAAAAAwMD/AAAAAABkAAAAMgAAAAAAAABkAAAAAAAAAH9/fwAKAAAAIgAAABgAAAAAAAAAAAAAAAAAAAAAAAAAAAAAAAAAAAAkAAAAJAAAAAAAAAAHAAAAAAAAAAAAAAAAAAAAAAAAAAAAAAAAAAAAf39/ACUAAABYAAAAAAAAAAAAAAAAAAAAAAAAAAAAAAAAAAAAAAAAAAAAAAAAAAAAAAAAAAAAAAA/AAAAAAAAAKCGAQAAAAAAAAAAAAAAAAAMAAAAAQAAAAAAAAAAAAAAAAAAAB8AAABUAAAAAAAABQAAAAEAAAAAAAAAAAAAAAAAAAAAAAAAAAAAAAAAAAAAAAAAAAAAAAJ/f38AAAAAA8zMzADAwP8Af39/AAAAAAAAAAAAAAAAAAAAAAAAAAAAIQAAABgAAAAUAAAAwAMAABsnAAA/FQAAWSkAABAAAAAmAAAACAAAAAAAAAAAAAAAMAAAABQAAAAAAAAAAAD//wAAAQAAAP//AAABAA=="/>
               </a:ext>
             </a:extLst>
           </p:cNvSpPr>
@@ -2115,7 +2115,7 @@
           <a:lstStyle/>
           <a:p>
             <a:pPr/>
-            <a:fld id="{3D145E0D-43D0-41A8-9EAC-B5FD10E268E0}" type="datetime1">
+            <a:fld id="{3DF988E6-A8D0-AC7E-9E41-5E2BC60F680B}" type="datetime1">
               <a:t/>
             </a:fld>
           </a:p>
@@ -2128,7 +2128,7 @@
             <a:spLocks noGrp="1" noChangeArrowheads="1"/>
             <a:extLst>
               <a:ext uri="smNativeData">
-                <pr:smNativeData xmlns:pr="smNativeData" xmlns="smNativeData" val="SMDATA_16_yvWgZxMAAAAlAAAAZAAAAA8BAAAAkAAAAEgAAACQAAAASAAAAAAAAAABAAAAAAAAAAEAAABQAAAAAAAAAAAA4D8AAAAAAADgPwAAAAAAAOA/AAAAAAAA4D8AAAAAAADgPwAAAAAAAOA/AAAAAAAA4D8AAAAAAADgPwAAAAAAAOA/AAAAAAAA4D8CAAAAjAAAAAAAAAAAAAAAu+DjDP///wgAAAAAAAAAAAAAAAAAAAAAAAAAAAAAAAAAAAAAZAAAAAEAAABAAAAAAAAAAAAAAAAAAAAAAAAAAAAAAAAAAAAAAAAAAAAAAAAAAAAAAAAAAAAAAAAAAAAAAAAAAAAAAAAAAAAAAAAAAAAAAAAAAAAAAAAAAAAAAAAAAAAAFAAAADwAAAAAAAAAAAAAAAAAAAkUAAAAAQAAABQAAAAUAAAAFAAAAAEAAAAAAAAAZAAAAGQAAAAAAAAAZAAAAGQAAAAVAAAAYAAAAAAAAAAAAAAADwAAACADAAAAAAAAAAAAAAEAAACgMgAAVgcAAKr4//8BAAAAf39/AAEAAABkAAAAAAAAABQAAABAHwAAAAAAACYAAAAAAAAAwOD//wAAAAAmAAAAZAAAABYAAABMAAAAAAAAAAAAAAAEAAAAAAAAAAEAAACAgIAKAAAAACgAAAAoAAAAZAAAAGQAAAAAAAAAzMzMAAAAAABQAAAAUAAAAGQAAABkAAAAAAAAABcAAAAUAAAAAAAAAAAAAAD/fwAA/38AAAAAAAAJAAAABAAAAAAAAAAeAAAAaAAAAAAAAAAAAAAAAAAAAAAAAAAAAAAAECcAABAnAAAAAAAAAAAAAAAAAAAAAAAAAAAAAAAAAAAAAAAAAAAAABQAAAAAAAAAwMD/AAAAAABkAAAAMgAAAAAAAABkAAAAAAAAAH9/fwAKAAAAIgAAABgAAAAAAAAAAAAAAAAAAAAAAAAAAAAAAAAAAAAkAAAAJAAAAAAAAAAHAAAAAAAAAAAAAAAAAAAAAAAAAAAAAAAAAAAAf39/ACUAAABYAAAAAAAAAAAAAAAAAAAAAAAAAAAAAAAAAAAAAAAAAAAAAAAAAAAAAAAAAAAAAAA/AAAAAAAAAKCGAQAAAAAAAAAAAAAAAAAMAAAAAQAAAAAAAAAAAAAAAAAAAB8AAABUAAAAAAAABQAAAAEAAAAAAAAAAAAAAAAAAAAAAAAAAAAAAAAAAAAAAAAAAAAAAAJ/f38AAAAAA8zMzADAwP8Af39/AAAAAAAAAAAAAAAAAAAAAAAAAAAAIQAAABgAAAAUAAAAoRkAABsnAABfMQAAWSkAABAAAAAmAAAACAAAAAAAAAAAAAAAMAAAABQAAAAAAAAAAAD//wAAAQAAAP//AAABAA=="/>
+                <pr:smNativeData xmlns:pr="smNativeData" xmlns="smNativeData" val="SMDATA_16_D/2gZxMAAAAlAAAAZAAAAA8BAAAAkAAAAEgAAACQAAAASAAAAAAAAAABAAAAAAAAAAEAAABQAAAAAAAAAAAA4D8AAAAAAADgPwAAAAAAAOA/AAAAAAAA4D8AAAAAAADgPwAAAAAAAOA/AAAAAAAA4D8AAAAAAADgPwAAAAAAAOA/AAAAAAAA4D8CAAAAjAAAAAAAAAAAAAAAu+DjDP///wgAAAAAAAAAAAAAAAAAAAAAAAAAAAAAAAAAAAAAZAAAAAEAAABAAAAAAAAAAAAAAAAAAAAAAAAAAAAAAAAAAAAAAAAAAAAAAAAAAAAAAAAAAAAAAAAAAAAAAAAAAAAAAAAAAAAAAAAAAAAAAAAAAAAAAAAAAAAAAAAAAAAAFAAAADwAAAAAAAAAAAAAAAAAAAkUAAAAAQAAABQAAAAUAAAAFAAAAAEAAAAAAAAAZAAAAGQAAAAAAAAAZAAAAGQAAAAVAAAAYAAAAAAAAAAAAAAADwAAACADAAAAAAAAAAAAAAEAAACgMgAAVgcAAKr4//8BAAAAf39/AAEAAABkAAAAAAAAABQAAABAHwAAAAAAACYAAAAAAAAAwOD//wAAAAAmAAAAZAAAABYAAABMAAAAAAAAAAAAAAAEAAAAAAAAAAEAAACAgIAKAAAAACgAAAAoAAAAZAAAAGQAAAAAAAAAzMzMAAAAAABQAAAAUAAAAGQAAABkAAAAAAAAABcAAAAUAAAAAAAAAAAAAAD/fwAA/38AAAAAAAAJAAAABAAAAAAAAAAeAAAAaAAAAAAAAAAAAAAAAAAAAAAAAAAAAAAAECcAABAnAAAAAAAAAAAAAAAAAAAAAAAAAAAAAAAAAAAAAAAAAAAAABQAAAAAAAAAwMD/AAAAAABkAAAAMgAAAAAAAABkAAAAAAAAAH9/fwAKAAAAIgAAABgAAAAAAAAAAAAAAAAAAAAAAAAAAAAAAAAAAAAkAAAAJAAAAAAAAAAHAAAAAAAAAAAAAAAAAAAAAAAAAAAAAAAAAAAAf39/ACUAAABYAAAAAAAAAAAAAAAAAAAAAAAAAAAAAAAAAAAAAAAAAAAAAAAAAAAAAAAAAAAAAAA/AAAAAAAAAKCGAQAAAAAAAAAAAAAAAAAMAAAAAQAAAAAAAAAAAAAAAAAAAB8AAABUAAAAAAAABQAAAAEAAAAAAAAAAAAAAAAAAAAAAAAAAAAAAAAAAAAAAAAAAAAAAAJ/f38AAAAAA8zMzADAwP8Af39/AAAAAAAAAAAAAAAAAAAAAAAAAAAAIQAAABgAAAAUAAAAoRkAABsnAABfMQAAWSkAABAAAAAmAAAACAAAAAAAAAAAAAAAMAAAABQAAAAAAAAAAAD//wAAAQAAAP//AAABAA=="/>
               </a:ext>
             </a:extLst>
           </p:cNvSpPr>
@@ -2152,7 +2152,7 @@
             <a:spLocks noGrp="1" noChangeArrowheads="1"/>
             <a:extLst>
               <a:ext uri="smNativeData">
-                <pr:smNativeData xmlns:pr="smNativeData" xmlns="smNativeData" val="SMDATA_16_yvWgZxMAAAAlAAAAZAAAAA8BAAAAkAAAAEgAAACQAAAASAAAAAAAAAABAAAAAAAAAAEAAABQAAAAAAAAAAAA4D8AAAAAAADgPwAAAAAAAOA/AAAAAAAA4D8AAAAAAADgPwAAAAAAAOA/AAAAAAAA4D8AAAAAAADgPwAAAAAAAOA/AAAAAAAA4D8CAAAAjAAAAAAAAAAAAAAAu+DjDP///wgAAAAAAAAAAAAAAAAAAAAAAAAAAAAAAAAAAAAAZAAAAAEAAABAAAAAAAAAAAAAAAAAAAAAAAAAAAAAAAAAAAAAAAAAAAAAAAAAAAAAAAAAAAAAAAAAAAAAAAAAAAAAAAAAAAAAAAAAAAAAAAAAAAAAAAAAAAAAAAAAAAAAFAAAADwAAAAAAAAAAAAAAAAAAAkUAAAAAQAAABQAAAAUAAAAFAAAAAEAAAAAAAAAZAAAAGQAAAAAAAAAZAAAAGQAAAAVAAAAYAAAAAAAAAAAAAAADwAAACADAAAAAAAAAAAAAAEAAACgMgAAVgcAAKr4//8BAAAAf39/AAEAAABkAAAAAAAAABQAAABAHwAAAAAAACYAAAAAAAAAwOD//wAAAAAmAAAAZAAAABYAAABMAAAAAAAAAAAAAAAEAAAAAAAAAAEAAACAgIAKAAAAACgAAAAoAAAAZAAAAGQAAAAAAAAAzMzMAAAAAABQAAAAUAAAAGQAAABkAAAAAAAAABcAAAAUAAAAAAAAAAAAAAD/fwAA/38AAAAAAAAJAAAABAAAAAAAAAAeAAAAaAAAAAAAAAAAAAAAAAAAAAAAAAAAAAAAECcAABAnAAAAAAAAAAAAAAAAAAAAAAAAAAAAAAAAAAAAAAAAAAAAABQAAAAAAAAAwMD/AAAAAABkAAAAMgAAAAAAAABkAAAAAAAAAH9/fwAKAAAAIgAAABgAAAAAAAAAAAAAAAAAAAAAAAAAAAAAAAAAAAAkAAAAJAAAAAAAAAAHAAAAAAAAAAAAAAAAAAAAAAAAAAAAAAAAAAAAf39/ACUAAABYAAAAAAAAAAAAAAAAAAAAAAAAAAAAAAAAAAAAAAAAAAAAAAAAAAAAAAAAAAAAAAA/AAAAAAAAAKCGAQAAAAAAAAAAAAAAAAAMAAAAAQAAAAAAAAAAAAAAAAAAAB8AAABUAAAAAAAABQAAAAEAAAAAAAAAAAAAAAAAAAAAAAAAAAAAAAAAAAAAAAAAAAAAAAJ/f38AAAAAA8zMzADAwP8Af39/AAAAAAAAAAAAAAAAAAAAAAAAAAAAIQAAABgAAAAUAAAAwTUAABsnAABARwAAWSkAABAAAAAmAAAACAAAAAAAAAAAAAAAMAAAABQAAAAAAAAAAAD//wAAAQAAAP//AAABAA=="/>
+                <pr:smNativeData xmlns:pr="smNativeData" xmlns="smNativeData" val="SMDATA_16_D/2gZxMAAAAlAAAAZAAAAA8BAAAAkAAAAEgAAACQAAAASAAAAAAAAAABAAAAAAAAAAEAAABQAAAAAAAAAAAA4D8AAAAAAADgPwAAAAAAAOA/AAAAAAAA4D8AAAAAAADgPwAAAAAAAOA/AAAAAAAA4D8AAAAAAADgPwAAAAAAAOA/AAAAAAAA4D8CAAAAjAAAAAAAAAAAAAAAu+DjDP///wgAAAAAAAAAAAAAAAAAAAAAAAAAAAAAAAAAAAAAZAAAAAEAAABAAAAAAAAAAAAAAAAAAAAAAAAAAAAAAAAAAAAAAAAAAAAAAAAAAAAAAAAAAAAAAAAAAAAAAAAAAAAAAAAAAAAAAAAAAAAAAAAAAAAAAAAAAAAAAAAAAAAAFAAAADwAAAAAAAAAAAAAAAAAAAkUAAAAAQAAABQAAAAUAAAAFAAAAAEAAAAAAAAAZAAAAGQAAAAAAAAAZAAAAGQAAAAVAAAAYAAAAAAAAAAAAAAADwAAACADAAAAAAAAAAAAAAEAAACgMgAAVgcAAKr4//8BAAAAf39/AAEAAABkAAAAAAAAABQAAABAHwAAAAAAACYAAAAAAAAAwOD//wAAAAAmAAAAZAAAABYAAABMAAAAAAAAAAAAAAAEAAAAAAAAAAEAAACAgIAKAAAAACgAAAAoAAAAZAAAAGQAAAAAAAAAzMzMAAAAAABQAAAAUAAAAGQAAABkAAAAAAAAABcAAAAUAAAAAAAAAAAAAAD/fwAA/38AAAAAAAAJAAAABAAAAAAAAAAeAAAAaAAAAAAAAAAAAAAAAAAAAAAAAAAAAAAAECcAABAnAAAAAAAAAAAAAAAAAAAAAAAAAAAAAAAAAAAAAAAAAAAAABQAAAAAAAAAwMD/AAAAAABkAAAAMgAAAAAAAABkAAAAAAAAAH9/fwAKAAAAIgAAABgAAAAAAAAAAAAAAAAAAAAAAAAAAAAAAAAAAAAkAAAAJAAAAAAAAAAHAAAAAAAAAAAAAAAAAAAAAAAAAAAAAAAAAAAAf39/ACUAAABYAAAAAAAAAAAAAAAAAAAAAAAAAAAAAAAAAAAAAAAAAAAAAAAAAAAAAAAAAAAAAAA/AAAAAAAAAKCGAQAAAAAAAAAAAAAAAAAMAAAAAQAAAAAAAAAAAAAAAAAAAB8AAABUAAAAAAAABQAAAAEAAAAAAAAAAAAAAAAAAAAAAAAAAAAAAAAAAAAAAAAAAAAAAAJ/f38AAAAAA8zMzADAwP8Af39/AAAAAAAAAAAAAAAAAAAAAAAAAAAAIQAAABgAAAAUAAAAwTUAABsnAABARwAAWSkAABAAAAAmAAAACAAAAAAAAAAAAAAAMAAAABQAAAAAAAAAAAD//wAAAQAAAP//AAABAA=="/>
               </a:ext>
             </a:extLst>
           </p:cNvSpPr>
@@ -2166,7 +2166,7 @@
           <a:lstStyle/>
           <a:p>
             <a:pPr/>
-            <a:fld id="{3D144F55-1BD0-41B9-9EAC-EDEC01E268B8}" type="slidenum">
+            <a:fld id="{3DF9FC5B-15D0-AC0A-9E41-E35FB20F68B6}" type="slidenum">
               <a:t/>
             </a:fld>
           </a:p>
@@ -2205,7 +2205,7 @@
             <a:spLocks noGrp="1" noChangeArrowheads="1"/>
             <a:extLst>
               <a:ext uri="smNativeData">
-                <pr:smNativeData xmlns:pr="smNativeData" xmlns="smNativeData" val="SMDATA_16_yvWgZxMAAAAlAAAAZAAAAA8BAAAAkAAAAEgAAACQAAAASAAAAAAAAAACAAAAAAAAAAEAAABQAAAAAAAAAAAA4D8AAAAAAADgPwAAAAAAAOA/AAAAAAAA4D8AAAAAAADgPwAAAAAAAOA/AAAAAAAA4D8AAAAAAADgPwAAAAAAAOA/AAAAAAAA4D8CAAAAjAAAAAAAAAAAAAAAu+DjDP///wgAAAAAAAAAAAAAAAAAAAAAAAAAAAAAAAAAAAAAZAAAAAEAAABAAAAAAAAAAAAAAAAAAAAAAAAAAAAAAAAAAAAAAAAAAAAAAAAAAAAAAAAAAAAAAAAAAAAAAAAAAAAAAAAAAAAAAAAAAAAAAAAAAAAAAAAAAAAAAAAAAAAAFAAAADwAAAAAAAAAAAAAAAAAAAkUAAAAAQAAABQAAAAUAAAAFAAAAAEAAAAAAAAAZAAAAGQAAAAAAAAAZAAAAGQAAAAVAAAAYAAAAAAAAAAAAAAADwAAACADAAAAAAAAAAAAAAEAAACgMgAAVgcAAKr4//8BAAAAf39/AAEAAABkAAAAAAAAABQAAABAHwAAAAAAACYAAAAAAAAAwOD//wAAAAAmAAAAZAAAABYAAABMAAAAAAAAAAAAAAAEAAAAAAAAAAEAAACAgIAKAAAAACgAAAAoAAAAZAAAAGQAAAAAAAAAzMzMAAAAAABQAAAAUAAAAGQAAABkAAAAAAAAABcAAAAUAAAAAAAAAAAAAAD/fwAA/38AAAAAAAAJAAAABAAAAAAAAAAeAAAAaAAAAAAAAAAAAAAAAAAAAAAAAAAAAAAAECcAABAnAAAAAAAAAAAAAAAAAAAAAAAAAAAAAAAAAAAAAAAAAAAAABQAAAAAAAAAwMD/AAAAAABkAAAAMgAAAAAAAABkAAAAAAAAAH9/fwAKAAAAIgAAABgAAAAAAAAAAAAAAAAAAAAAAAAAAAAAAAAAAAAkAAAAJAAAAAAAAAAHAAAAAAAAAAAAAAAAAAAAAAAAAAAAAAAAAAAAf39/ACUAAABYAAAAAAAAAAAAAAAAAAAAAAAAAAAAAAAAAAAAAAAAAAAAAAAAAAAAAAAAAAAAAAA/AAAAAAAAAKCGAQAAAAAAAAAAAAAAAAAMAAAAAQAAAAAAAAAAAAAAAAAAAB8AAABUAAAAAAAABQAAAAEAAAAAAAAAAAAAAAAAAAAAAAAAAAAAAAAAAAAAAAAAAAAAAAJ/f38AAAAAA8zMzADAwP8Af39/AAAAAAAAAAAAAAAAAAAAAAAAAAAAIQAAABgAAAAUAAAAwAMAAK4BAABtHAAA1AgAABAAAAAmAAAACAAAAIGAAAAAAAAAMAAAABQAAAAAAAAAAAD//wAAAQAAAP//AAABAA=="/>
+                <pr:smNativeData xmlns:pr="smNativeData" xmlns="smNativeData" val="SMDATA_16_D/2gZxMAAAAlAAAAZAAAAA8BAAAAkAAAAEgAAACQAAAASAAAAAAAAAACAAAAAAAAAAEAAABQAAAAAAAAAAAA4D8AAAAAAADgPwAAAAAAAOA/AAAAAAAA4D8AAAAAAADgPwAAAAAAAOA/AAAAAAAA4D8AAAAAAADgPwAAAAAAAOA/AAAAAAAA4D8CAAAAjAAAAAAAAAAAAAAAu+DjDP///wgAAAAAAAAAAAAAAAAAAAAAAAAAAAAAAAAAAAAAZAAAAAEAAABAAAAAAAAAAAAAAAAAAAAAAAAAAAAAAAAAAAAAAAAAAAAAAAAAAAAAAAAAAAAAAAAAAAAAAAAAAAAAAAAAAAAAAAAAAAAAAAAAAAAAAAAAAAAAAAAAAAAAFAAAADwAAAAAAAAAAAAAAAAAAAkUAAAAAQAAABQAAAAUAAAAFAAAAAEAAAAAAAAAZAAAAGQAAAAAAAAAZAAAAGQAAAAVAAAAYAAAAAAAAAAAAAAADwAAACADAAAAAAAAAAAAAAEAAACgMgAAVgcAAKr4//8BAAAAf39/AAEAAABkAAAAAAAAABQAAABAHwAAAAAAACYAAAAAAAAAwOD//wAAAAAmAAAAZAAAABYAAABMAAAAAAAAAAAAAAAEAAAAAAAAAAEAAACAgIAKAAAAACgAAAAoAAAAZAAAAGQAAAAAAAAAzMzMAAAAAABQAAAAUAAAAGQAAABkAAAAAAAAABcAAAAUAAAAAAAAAAAAAAD/fwAA/38AAAAAAAAJAAAABAAAAAAAAAAeAAAAaAAAAAAAAAAAAAAAAAAAAAAAAAAAAAAAECcAABAnAAAAAAAAAAAAAAAAAAAAAAAAAAAAAAAAAAAAAAAAAAAAABQAAAAAAAAAwMD/AAAAAABkAAAAMgAAAAAAAABkAAAAAAAAAH9/fwAKAAAAIgAAABgAAAAAAAAAAAAAAAAAAAAAAAAAAAAAAAAAAAAkAAAAJAAAAAAAAAAHAAAAAAAAAAAAAAAAAAAAAAAAAAAAAAAAAAAAf39/ACUAAABYAAAAAAAAAAAAAAAAAAAAAAAAAAAAAAAAAAAAAAAAAAAAAAAAAAAAAAAAAAAAAAA/AAAAAAAAAKCGAQAAAAAAAAAAAAAAAAAMAAAAAQAAAAAAAAAAAAAAAAAAAB8AAABUAAAAAAAABQAAAAEAAAAAAAAAAAAAAAAAAAAAAAAAAAAAAAAAAAAAAAAAAAAAAAJ/f38AAAAAA8zMzADAwP8Af39/AAAAAAAAAAAAAAAAAAAAAAAAAAAAIQAAABgAAAAUAAAAwAMAAK4BAABtHAAA1AgAABAAAAAmAAAACAAAAIGAAAAAAAAAMAAAABQAAAAAAAAAAAD//wAAAQAAAP//AAABAA=="/>
               </a:ext>
             </a:extLst>
           </p:cNvSpPr>
@@ -2245,7 +2245,7 @@
             <a:spLocks noGrp="1" noChangeArrowheads="1"/>
             <a:extLst>
               <a:ext uri="smNativeData">
-                <pr:smNativeData xmlns:pr="smNativeData" xmlns="smNativeData" val="SMDATA_16_yvWgZxMAAAAlAAAAZAAAAA8BAAAAkAAAAEgAAACQAAAASAAAAAAAAAAAAAAAAAAAAAEAAABQAAAAAAAAAAAA4D8AAAAAAADgPwAAAAAAAOA/AAAAAAAA4D8AAAAAAADgPwAAAAAAAOA/AAAAAAAA4D8AAAAAAADgPwAAAAAAAOA/AAAAAAAA4D8CAAAAjAAAAAAAAAAAAAAAu+DjDP///wgAAAAAAAAAAAAAAAAAAAAAAAAAAAAAAAAAAAAAZAAAAAEAAABAAAAAAAAAAAAAAAAAAAAAAAAAAAAAAAAAAAAAAAAAAAAAAAAAAAAAAAAAAAAAAAAAAAAAAAAAAAAAAAAAAAAAAAAAAAAAAAAAAAAAAAAAAAAAAAAAAAAAFAAAADwAAAAAAAAAAAAAAAAAAAkUAAAAAQAAABQAAAAUAAAAFAAAAAEAAAAAAAAAZAAAAGQAAAAAAAAAZAAAAGQAAAAVAAAAYAAAAAAAAAAAAAAADwAAACADAAAAAAAAAAAAAAEAAACgMgAAVgcAAKr4//8BAAAAf39/AAEAAABkAAAAAAAAABQAAABAHwAAAAAAACYAAAAAAAAAwOD//wAAAAAmAAAAZAAAABYAAABMAAAAAAAAAAAAAAAEAAAAAAAAAAEAAACAgIAKAAAAACgAAAAoAAAAZAAAAGQAAAAAAAAAzMzMAAAAAABQAAAAUAAAAGQAAABkAAAAAAAAABcAAAAUAAAAAAAAAAAAAAD/fwAA/38AAAAAAAAJAAAABAAAAAAAAAAeAAAAaAAAAAAAAAAAAAAAAAAAAAAAAAAAAAAAECcAABAnAAAAAAAAAAAAAAAAAAAAAAAAAAAAAAAAAAAAAAAAAAAAABQAAAAAAAAAwMD/AAAAAABkAAAAMgAAAAAAAABkAAAAAAAAAH9/fwAKAAAAIgAAABgAAAAAAAAAAAAAAAAAAAAAAAAAAAAAAAAAAAAkAAAAJAAAAAAAAAAHAAAAAAAAAAAAAAAAAAAAAAAAAAAAAAAAAAAAf39/ACUAAABYAAAAAAAAAAAAAAAAAAAAAAAAAAAAAAAAAAAAAAAAAAAAAAAAAAAAAAAAAAAAAAA/AAAAAAAAAKCGAQAAAAAAAAAAAAAAAAAMAAAAAQAAAAAAAAAAAAAAAAAAAB8AAABUAAAAAAAABQAAAAEAAAAAAAAAAAAAAAAAAAAAAAAAAAAAAAAAAAAAAAAAAAAAAAJ/f38AAAAAA8zMzADAwP8Af39/AAAAAAAAAAAAAAAAAAAAAAAAAAAAIQAAABgAAAAUAAAAUx0AAK4BAABARwAAsCUAABAAAAAmAAAACAAAAAGAAAAAAAAAMAAAABQAAAAAAAAAAAD//wAAAQAAAP//AAABAA=="/>
+                <pr:smNativeData xmlns:pr="smNativeData" xmlns="smNativeData" val="SMDATA_16_D/2gZxMAAAAlAAAAZAAAAA8BAAAAkAAAAEgAAACQAAAASAAAAAAAAAAAAAAAAAAAAAEAAABQAAAAAAAAAAAA4D8AAAAAAADgPwAAAAAAAOA/AAAAAAAA4D8AAAAAAADgPwAAAAAAAOA/AAAAAAAA4D8AAAAAAADgPwAAAAAAAOA/AAAAAAAA4D8CAAAAjAAAAAAAAAAAAAAAu+DjDP///wgAAAAAAAAAAAAAAAAAAAAAAAAAAAAAAAAAAAAAZAAAAAEAAABAAAAAAAAAAAAAAAAAAAAAAAAAAAAAAAAAAAAAAAAAAAAAAAAAAAAAAAAAAAAAAAAAAAAAAAAAAAAAAAAAAAAAAAAAAAAAAAAAAAAAAAAAAAAAAAAAAAAAFAAAADwAAAAAAAAAAAAAAAAAAAkUAAAAAQAAABQAAAAUAAAAFAAAAAEAAAAAAAAAZAAAAGQAAAAAAAAAZAAAAGQAAAAVAAAAYAAAAAAAAAAAAAAADwAAACADAAAAAAAAAAAAAAEAAACgMgAAVgcAAKr4//8BAAAAf39/AAEAAABkAAAAAAAAABQAAABAHwAAAAAAACYAAAAAAAAAwOD//wAAAAAmAAAAZAAAABYAAABMAAAAAAAAAAAAAAAEAAAAAAAAAAEAAACAgIAKAAAAACgAAAAoAAAAZAAAAGQAAAAAAAAAzMzMAAAAAABQAAAAUAAAAGQAAABkAAAAAAAAABcAAAAUAAAAAAAAAAAAAAD/fwAA/38AAAAAAAAJAAAABAAAAAAAAAAeAAAAaAAAAAAAAAAAAAAAAAAAAAAAAAAAAAAAECcAABAnAAAAAAAAAAAAAAAAAAAAAAAAAAAAAAAAAAAAAAAAAAAAABQAAAAAAAAAwMD/AAAAAABkAAAAMgAAAAAAAABkAAAAAAAAAH9/fwAKAAAAIgAAABgAAAAAAAAAAAAAAAAAAAAAAAAAAAAAAAAAAAAkAAAAJAAAAAAAAAAHAAAAAAAAAAAAAAAAAAAAAAAAAAAAAAAAAAAAf39/ACUAAABYAAAAAAAAAAAAAAAAAAAAAAAAAAAAAAAAAAAAAAAAAAAAAAAAAAAAAAAAAAAAAAA/AAAAAAAAAKCGAQAAAAAAAAAAAAAAAAAMAAAAAQAAAAAAAAAAAAAAAAAAAB8AAABUAAAAAAAABQAAAAEAAAAAAAAAAAAAAAAAAAAAAAAAAAAAAAAAAAAAAAAAAAAAAAJ/f38AAAAAA8zMzADAwP8Af39/AAAAAAAAAAAAAAAAAAAAAAAAAAAAIQAAABgAAAAUAAAAUx0AAK4BAABARwAAsCUAABAAAAAmAAAACAAAAAGAAAAAAAAAMAAAABQAAAAAAAAAAAD//wAAAQAAAP//AAABAA=="/>
               </a:ext>
             </a:extLst>
           </p:cNvSpPr>
@@ -2329,7 +2329,7 @@
             <a:spLocks noGrp="1" noChangeArrowheads="1"/>
             <a:extLst>
               <a:ext uri="smNativeData">
-                <pr:smNativeData xmlns:pr="smNativeData" xmlns="smNativeData" val="SMDATA_16_yvWgZxMAAAAlAAAAZAAAAA8BAAAAkAAAAEgAAACQAAAASAAAAAAAAAAAAAAAAAAAAAEAAABQAAAAAAAAAAAA4D8AAAAAAADgPwAAAAAAAOA/AAAAAAAA4D8AAAAAAADgPwAAAAAAAOA/AAAAAAAA4D8AAAAAAADgPwAAAAAAAOA/AAAAAAAA4D8CAAAAjAAAAAAAAAAAAAAAu+DjDP///wgAAAAAAAAAAAAAAAAAAAAAAAAAAAAAAAAAAAAAZAAAAAEAAABAAAAAAAAAAAAAAAAAAAAAAAAAAAAAAAAAAAAAAAAAAAAAAAAAAAAAAAAAAAAAAAAAAAAAAAAAAAAAAAAAAAAAAAAAAAAAAAAAAAAAAAAAAAAAAAAAAAAAFAAAADwAAAAAAAAAAAAAAAAAAAkUAAAAAQAAABQAAAAUAAAAFAAAAAEAAAAAAAAAZAAAAGQAAAAAAAAAZAAAAGQAAAAVAAAAYAAAAAAAAAAAAAAADwAAACADAAAAAAAAAAAAAAEAAACgMgAAVgcAAKr4//8BAAAAf39/AAEAAABkAAAAAAAAABQAAABAHwAAAAAAACYAAAAAAAAAwOD//wAAAAAmAAAAZAAAABYAAABMAAAAAAAAAAAAAAAEAAAAAAAAAAEAAACAgIAKAAAAACgAAAAoAAAAZAAAAGQAAAAAAAAAzMzMAAAAAABQAAAAUAAAAGQAAABkAAAAAAAAABcAAAAUAAAAAAAAAAAAAAD/fwAA/38AAAAAAAAJAAAABAAAAAAAAAAeAAAAaAAAAAAAAAAAAAAAAAAAAAAAAAAAAAAAECcAABAnAAAAAAAAAAAAAAAAAAAAAAAAAAAAAAAAAAAAAAAAAAAAABQAAAAAAAAAwMD/AAAAAABkAAAAMgAAAAAAAABkAAAAAAAAAH9/fwAKAAAAIgAAABgAAAAAAAAAAAAAAAAAAAAAAAAAAAAAAAAAAAAkAAAAJAAAAAAAAAAHAAAAAAAAAAAAAAAAAAAAAAAAAAAAAAAAAAAAf39/ACUAAABYAAAAAAAAAAAAAAAAAAAAAAAAAAAAAAAAAAAAAAAAAAAAAAAAAAAAAAAAAAAAAAA/AAAAAAAAAKCGAQAAAAAAAAAAAAAAAAAMAAAAAQAAAAAAAAAAAAAAAAAAAB8AAABUAAAAAAAABQAAAAEAAAAAAAAAAAAAAAAAAAAAAAAAAAAAAAAAAAAAAAAAAAAAAAJ/f38AAAAAA8zMzADAwP8Af39/AAAAAAAAAAAAAAAAAAAAAAAAAAAAIQAAABgAAAAUAAAAwAMAANQIAABtHAAAsCUAABAAAAAmAAAACAAAAAGAAAAAAAAAMAAAABQAAAAAAAAAAAD//wAAAQAAAP//AAABAA=="/>
+                <pr:smNativeData xmlns:pr="smNativeData" xmlns="smNativeData" val="SMDATA_16_D/2gZxMAAAAlAAAAZAAAAA8BAAAAkAAAAEgAAACQAAAASAAAAAAAAAAAAAAAAAAAAAEAAABQAAAAAAAAAAAA4D8AAAAAAADgPwAAAAAAAOA/AAAAAAAA4D8AAAAAAADgPwAAAAAAAOA/AAAAAAAA4D8AAAAAAADgPwAAAAAAAOA/AAAAAAAA4D8CAAAAjAAAAAAAAAAAAAAAu+DjDP///wgAAAAAAAAAAAAAAAAAAAAAAAAAAAAAAAAAAAAAZAAAAAEAAABAAAAAAAAAAAAAAAAAAAAAAAAAAAAAAAAAAAAAAAAAAAAAAAAAAAAAAAAAAAAAAAAAAAAAAAAAAAAAAAAAAAAAAAAAAAAAAAAAAAAAAAAAAAAAAAAAAAAAFAAAADwAAAAAAAAAAAAAAAAAAAkUAAAAAQAAABQAAAAUAAAAFAAAAAEAAAAAAAAAZAAAAGQAAAAAAAAAZAAAAGQAAAAVAAAAYAAAAAAAAAAAAAAADwAAACADAAAAAAAAAAAAAAEAAACgMgAAVgcAAKr4//8BAAAAf39/AAEAAABkAAAAAAAAABQAAABAHwAAAAAAACYAAAAAAAAAwOD//wAAAAAmAAAAZAAAABYAAABMAAAAAAAAAAAAAAAEAAAAAAAAAAEAAACAgIAKAAAAACgAAAAoAAAAZAAAAGQAAAAAAAAAzMzMAAAAAABQAAAAUAAAAGQAAABkAAAAAAAAABcAAAAUAAAAAAAAAAAAAAD/fwAA/38AAAAAAAAJAAAABAAAAAAAAAAeAAAAaAAAAAAAAAAAAAAAAAAAAAAAAAAAAAAAECcAABAnAAAAAAAAAAAAAAAAAAAAAAAAAAAAAAAAAAAAAAAAAAAAABQAAAAAAAAAwMD/AAAAAABkAAAAMgAAAAAAAABkAAAAAAAAAH9/fwAKAAAAIgAAABgAAAAAAAAAAAAAAAAAAAAAAAAAAAAAAAAAAAAkAAAAJAAAAAAAAAAHAAAAAAAAAAAAAAAAAAAAAAAAAAAAAAAAAAAAf39/ACUAAABYAAAAAAAAAAAAAAAAAAAAAAAAAAAAAAAAAAAAAAAAAAAAAAAAAAAAAAAAAAAAAAA/AAAAAAAAAKCGAQAAAAAAAAAAAAAAAAAMAAAAAQAAAAAAAAAAAAAAAAAAAB8AAABUAAAAAAAABQAAAAEAAAAAAAAAAAAAAAAAAAAAAAAAAAAAAAAAAAAAAAAAAAAAAAJ/f38AAAAAA8zMzADAwP8Af39/AAAAAAAAAAAAAAAAAAAAAAAAAAAAIQAAABgAAAAUAAAAwAMAANQIAABtHAAAsCUAABAAAAAmAAAACAAAAAGAAAAAAAAAMAAAABQAAAAAAAAAAAD//wAAAQAAAP//AAABAA=="/>
               </a:ext>
             </a:extLst>
           </p:cNvSpPr>
@@ -2398,7 +2398,7 @@
             <a:spLocks noGrp="1" noChangeArrowheads="1"/>
             <a:extLst>
               <a:ext uri="smNativeData">
-                <pr:smNativeData xmlns:pr="smNativeData" xmlns="smNativeData" val="SMDATA_16_yvWgZxMAAAAlAAAAZAAAAA8BAAAAkAAAAEgAAACQAAAASAAAAAAAAAABAAAAAAAAAAEAAABQAAAAAAAAAAAA4D8AAAAAAADgPwAAAAAAAOA/AAAAAAAA4D8AAAAAAADgPwAAAAAAAOA/AAAAAAAA4D8AAAAAAADgPwAAAAAAAOA/AAAAAAAA4D8CAAAAjAAAAAAAAAAAAAAAu+DjDP///wgAAAAAAAAAAAAAAAAAAAAAAAAAAAAAAAAAAAAAZAAAAAEAAABAAAAAAAAAAAAAAAAAAAAAAAAAAAAAAAAAAAAAAAAAAAAAAAAAAAAAAAAAAAAAAAAAAAAAAAAAAAAAAAAAAAAAAAAAAAAAAAAAAAAAAAAAAAAAAAAAAAAAFAAAADwAAAAAAAAAAAAAAAAAAAkUAAAAAQAAABQAAAAUAAAAFAAAAAEAAAAAAAAAZAAAAGQAAAAAAAAAZAAAAGQAAAAVAAAAYAAAAAAAAAAAAAAADwAAACADAAAAAAAAAAAAAAEAAACgMgAAVgcAAKr4//8BAAAAf39/AAEAAABkAAAAAAAAABQAAABAHwAAAAAAACYAAAAAAAAAwOD//wAAAAAmAAAAZAAAABYAAABMAAAAAAAAAAAAAAAEAAAAAAAAAAEAAACAgIAKAAAAACgAAAAoAAAAZAAAAGQAAAAAAAAAzMzMAAAAAABQAAAAUAAAAGQAAABkAAAAAAAAABcAAAAUAAAAAAAAAAAAAAD/fwAA/38AAAAAAAAJAAAABAAAAAAAAAAeAAAAaAAAAAAAAAAAAAAAAAAAAAAAAAAAAAAAECcAABAnAAAAAAAAAAAAAAAAAAAAAAAAAAAAAAAAAAAAAAAAAAAAABQAAAAAAAAAwMD/AAAAAABkAAAAMgAAAAAAAABkAAAAAAAAAH9/fwAKAAAAIgAAABgAAAAAAAAAAAAAAAAAAAAAAAAAAAAAAAAAAAAkAAAAJAAAAAAAAAAHAAAAAAAAAAAAAAAAAAAAAAAAAAAAAAAAAAAAf39/ACUAAABYAAAAAAAAAAAAAAAAAAAAAAAAAAAAAAAAAAAAAAAAAAAAAAAAAAAAAAAAAAAAAAA/AAAAAAAAAKCGAQAAAAAAAAAAAAAAAAAMAAAAAQAAAAAAAAAAAAAAAAAAAB8AAABUAAAAAAAABQAAAAEAAAAAAAAAAAAAAAAAAAAAAAAAAAAAAAAAAAAAAAAAAAAAAAJ/f38AAAAAA8zMzADAwP8Af39/AAAAAAAAAAAAAAAAAAAAAAAAAAAAIQAAABgAAAAUAAAAwAMAABsnAAA/FQAAWSkAABAAAAAmAAAACAAAAAAAAAAAAAAAMAAAABQAAAAAAAAAAAD//wAAAQAAAP//AAABAA=="/>
+                <pr:smNativeData xmlns:pr="smNativeData" xmlns="smNativeData" val="SMDATA_16_D/2gZxMAAAAlAAAAZAAAAA8BAAAAkAAAAEgAAACQAAAASAAAAAAAAAABAAAAAAAAAAEAAABQAAAAAAAAAAAA4D8AAAAAAADgPwAAAAAAAOA/AAAAAAAA4D8AAAAAAADgPwAAAAAAAOA/AAAAAAAA4D8AAAAAAADgPwAAAAAAAOA/AAAAAAAA4D8CAAAAjAAAAAAAAAAAAAAAu+DjDP///wgAAAAAAAAAAAAAAAAAAAAAAAAAAAAAAAAAAAAAZAAAAAEAAABAAAAAAAAAAAAAAAAAAAAAAAAAAAAAAAAAAAAAAAAAAAAAAAAAAAAAAAAAAAAAAAAAAAAAAAAAAAAAAAAAAAAAAAAAAAAAAAAAAAAAAAAAAAAAAAAAAAAAFAAAADwAAAAAAAAAAAAAAAAAAAkUAAAAAQAAABQAAAAUAAAAFAAAAAEAAAAAAAAAZAAAAGQAAAAAAAAAZAAAAGQAAAAVAAAAYAAAAAAAAAAAAAAADwAAACADAAAAAAAAAAAAAAEAAACgMgAAVgcAAKr4//8BAAAAf39/AAEAAABkAAAAAAAAABQAAABAHwAAAAAAACYAAAAAAAAAwOD//wAAAAAmAAAAZAAAABYAAABMAAAAAAAAAAAAAAAEAAAAAAAAAAEAAACAgIAKAAAAACgAAAAoAAAAZAAAAGQAAAAAAAAAzMzMAAAAAABQAAAAUAAAAGQAAABkAAAAAAAAABcAAAAUAAAAAAAAAAAAAAD/fwAA/38AAAAAAAAJAAAABAAAAAAAAAAeAAAAaAAAAAAAAAAAAAAAAAAAAAAAAAAAAAAAECcAABAnAAAAAAAAAAAAAAAAAAAAAAAAAAAAAAAAAAAAAAAAAAAAABQAAAAAAAAAwMD/AAAAAABkAAAAMgAAAAAAAABkAAAAAAAAAH9/fwAKAAAAIgAAABgAAAAAAAAAAAAAAAAAAAAAAAAAAAAAAAAAAAAkAAAAJAAAAAAAAAAHAAAAAAAAAAAAAAAAAAAAAAAAAAAAAAAAAAAAf39/ACUAAABYAAAAAAAAAAAAAAAAAAAAAAAAAAAAAAAAAAAAAAAAAAAAAAAAAAAAAAAAAAAAAAA/AAAAAAAAAKCGAQAAAAAAAAAAAAAAAAAMAAAAAQAAAAAAAAAAAAAAAAAAAB8AAABUAAAAAAAABQAAAAEAAAAAAAAAAAAAAAAAAAAAAAAAAAAAAAAAAAAAAAAAAAAAAAJ/f38AAAAAA8zMzADAwP8Af39/AAAAAAAAAAAAAAAAAAAAAAAAAAAAIQAAABgAAAAUAAAAwAMAABsnAAA/FQAAWSkAABAAAAAmAAAACAAAAAAAAAAAAAAAMAAAABQAAAAAAAAAAAD//wAAAQAAAP//AAABAA=="/>
               </a:ext>
             </a:extLst>
           </p:cNvSpPr>
@@ -2412,7 +2412,7 @@
           <a:lstStyle/>
           <a:p>
             <a:pPr/>
-            <a:fld id="{3D146DA7-E9D0-419B-9EAC-1FCE23E2684A}" type="datetime1">
+            <a:fld id="{3DF9935F-11D0-AC65-9E41-E730DD0F68B2}" type="datetime1">
               <a:t/>
             </a:fld>
           </a:p>
@@ -2425,7 +2425,7 @@
             <a:spLocks noGrp="1" noChangeArrowheads="1"/>
             <a:extLst>
               <a:ext uri="smNativeData">
-                <pr:smNativeData xmlns:pr="smNativeData" xmlns="smNativeData" val="SMDATA_16_yvWgZxMAAAAlAAAAZAAAAA8BAAAAkAAAAEgAAACQAAAASAAAAAAAAAABAAAAAAAAAAEAAABQAAAAAAAAAAAA4D8AAAAAAADgPwAAAAAAAOA/AAAAAAAA4D8AAAAAAADgPwAAAAAAAOA/AAAAAAAA4D8AAAAAAADgPwAAAAAAAOA/AAAAAAAA4D8CAAAAjAAAAAAAAAAAAAAAu+DjDP///wgAAAAAAAAAAAAAAAAAAAAAAAAAAAAAAAAAAAAAZAAAAAEAAABAAAAAAAAAAAAAAAAAAAAAAAAAAAAAAAAAAAAAAAAAAAAAAAAAAAAAAAAAAAAAAAAAAAAAAAAAAAAAAAAAAAAAAAAAAAAAAAAAAAAAAAAAAAAAAAAAAAAAFAAAADwAAAAAAAAAAAAAAAAAAAkUAAAAAQAAABQAAAAUAAAAFAAAAAEAAAAAAAAAZAAAAGQAAAAAAAAAZAAAAGQAAAAVAAAAYAAAAAAAAAAAAAAADwAAACADAAAAAAAAAAAAAAEAAACgMgAAVgcAAKr4//8BAAAAf39/AAEAAABkAAAAAAAAABQAAABAHwAAAAAAACYAAAAAAAAAwOD//wAAAAAmAAAAZAAAABYAAABMAAAAAAAAAAAAAAAEAAAAAAAAAAEAAACAgIAKAAAAACgAAAAoAAAAZAAAAGQAAAAAAAAAzMzMAAAAAABQAAAAUAAAAGQAAABkAAAAAAAAABcAAAAUAAAAAAAAAAAAAAD/fwAA/38AAAAAAAAJAAAABAAAAHNwY0IeAAAAaAAAAAAAAAAAAAAAAAAAAAAAAAAAAAAAECcAABAnAAAAAAAAAAAAAAAAAAAAAAAAAAAAAAAAAAAAAAAAAAAAABQAAAAAAAAAwMD/AAAAAABkAAAAMgAAAAAAAABkAAAAAAAAAH9/fwAKAAAAIgAAABgAAAAAAAAAAAAAAAAAAAAAAAAAAAAAAAAAAAAkAAAAJAAAAAAAAAAHAAAAAAAAAAAAAAAAAAAAAAAAAAAAAAAAAAAAf39/ACUAAABYAAAAAAAAAAAAAAAAAAAAAAAAAAAAAAAAAAAAAAAAAAAAAAAAAAAAAAAAAAAAAAA/AAAAAAAAAKCGAQAAAAAAAAAAAAAAAAAMAAAAAQAAAAAAAAAAAAAAAAAAAB8AAABUAAAAAAAABQAAAAEAAAAAAAAAAAAAAAAAAAAAAAAAAAAAAAAAAAAAAAAAAAAAAAJ/f38AAAAAA8zMzADAwP8Af39/AAAAAAAAAAAAAAAAAAAAAAAAAAAAIQAAABgAAAAUAAAAoRkAABsnAABfMQAAWSkAABAAAAAmAAAACAAAAAAAAAAAAAAAMAAAABQAAAAAAAAAAAD//wAAAQAAAP//AAABAA=="/>
+                <pr:smNativeData xmlns:pr="smNativeData" xmlns="smNativeData" val="SMDATA_16_D/2gZxMAAAAlAAAAZAAAAA8BAAAAkAAAAEgAAACQAAAASAAAAAAAAAABAAAAAAAAAAEAAABQAAAAAAAAAAAA4D8AAAAAAADgPwAAAAAAAOA/AAAAAAAA4D8AAAAAAADgPwAAAAAAAOA/AAAAAAAA4D8AAAAAAADgPwAAAAAAAOA/AAAAAAAA4D8CAAAAjAAAAAAAAAAAAAAAu+DjDP///wgAAAAAAAAAAAAAAAAAAAAAAAAAAAAAAAAAAAAAZAAAAAEAAABAAAAAAAAAAAAAAAAAAAAAAAAAAAAAAAAAAAAAAAAAAAAAAAAAAAAAAAAAAAAAAAAAAAAAAAAAAAAAAAAAAAAAAAAAAAAAAAAAAAAAAAAAAAAAAAAAAAAAFAAAADwAAAAAAAAAAAAAAAAAAAkUAAAAAQAAABQAAAAUAAAAFAAAAAEAAAAAAAAAZAAAAGQAAAAAAAAAZAAAAGQAAAAVAAAAYAAAAAAAAAAAAAAADwAAACADAAAAAAAAAAAAAAEAAACgMgAAVgcAAKr4//8BAAAAf39/AAEAAABkAAAAAAAAABQAAABAHwAAAAAAACYAAAAAAAAAwOD//wAAAAAmAAAAZAAAABYAAABMAAAAAAAAAAAAAAAEAAAAAAAAAAEAAACAgIAKAAAAACgAAAAoAAAAZAAAAGQAAAAAAAAAzMzMAAAAAABQAAAAUAAAAGQAAABkAAAAAAAAABcAAAAUAAAAAAAAAAAAAAD/fwAA/38AAAAAAAAJAAAABAAAAHNwY0IeAAAAaAAAAAAAAAAAAAAAAAAAAAAAAAAAAAAAECcAABAnAAAAAAAAAAAAAAAAAAAAAAAAAAAAAAAAAAAAAAAAAAAAABQAAAAAAAAAwMD/AAAAAABkAAAAMgAAAAAAAABkAAAAAAAAAH9/fwAKAAAAIgAAABgAAAAAAAAAAAAAAAAAAAAAAAAAAAAAAAAAAAAkAAAAJAAAAAAAAAAHAAAAAAAAAAAAAAAAAAAAAAAAAAAAAAAAAAAAf39/ACUAAABYAAAAAAAAAAAAAAAAAAAAAAAAAAAAAAAAAAAAAAAAAAAAAAAAAAAAAAAAAAAAAAA/AAAAAAAAAKCGAQAAAAAAAAAAAAAAAAAMAAAAAQAAAAAAAAAAAAAAAAAAAB8AAABUAAAAAAAABQAAAAEAAAAAAAAAAAAAAAAAAAAAAAAAAAAAAAAAAAAAAAAAAAAAAAJ/f38AAAAAA8zMzADAwP8Af39/AAAAAAAAAAAAAAAAAAAAAAAAAAAAIQAAABgAAAAUAAAAoRkAABsnAABfMQAAWSkAABAAAAAmAAAACAAAAAAAAAAAAAAAMAAAABQAAAAAAAAAAAD//wAAAQAAAP//AAABAA=="/>
               </a:ext>
             </a:extLst>
           </p:cNvSpPr>
@@ -2449,7 +2449,7 @@
             <a:spLocks noGrp="1" noChangeArrowheads="1"/>
             <a:extLst>
               <a:ext uri="smNativeData">
-                <pr:smNativeData xmlns:pr="smNativeData" xmlns="smNativeData" val="SMDATA_16_yvWgZxMAAAAlAAAAZAAAAA8BAAAAkAAAAEgAAACQAAAASAAAAAAAAAABAAAAAAAAAAEAAABQAAAAAAAAAAAA4D8AAAAAAADgPwAAAAAAAOA/AAAAAAAA4D8AAAAAAADgPwAAAAAAAOA/AAAAAAAA4D8AAAAAAADgPwAAAAAAAOA/AAAAAAAA4D8CAAAAjAAAAAAAAAAAAAAAu+DjDP///wgAAAAAAAAAAAAAAAAAAAAAAAAAAAAAAAAAAAAAZAAAAAEAAABAAAAAAAAAAAAAAAAAAAAAAAAAAAAAAAAAAAAAAAAAAAAAAAAAAAAAAAAAAAAAAAAAAAAAAAAAAAAAAAAAAAAAAAAAAAAAAAAAAAAAAAAAAAAAAAAAAAAAFAAAADwAAAAAAAAAAAAAAAAAAAkUAAAAAQAAABQAAAAUAAAAFAAAAAEAAAAAAAAAZAAAAGQAAAAAAAAAZAAAAGQAAAAVAAAAYAAAAAAAAAAAAAAADwAAACADAAAAAAAAAAAAAAEAAACgMgAAVgcAAKr4//8BAAAAf39/AAEAAABkAAAAAAAAABQAAABAHwAAAAAAACYAAAAAAAAAwOD//wAAAAAmAAAAZAAAABYAAABMAAAAAAAAAAAAAAAEAAAAAAAAAAEAAACAgIAKAAAAACgAAAAoAAAAZAAAAGQAAAAAAAAAzMzMAAAAAABQAAAAUAAAAGQAAABkAAAAAAAAABcAAAAUAAAAAAAAAAAAAAD/fwAA/38AAAAAAAAJAAAABAAAAAAAAAAeAAAAaAAAAAAAAAAAAAAAAAAAAAAAAAAAAAAAECcAABAnAAAAAAAAAAAAAAAAAAAAAAAAAAAAAAAAAAAAAAAAAAAAABQAAAAAAAAAwMD/AAAAAABkAAAAMgAAAAAAAABkAAAAAAAAAH9/fwAKAAAAIgAAABgAAAAAAAAAAAAAAAAAAAAAAAAAAAAAAAAAAAAkAAAAJAAAAAAAAAAHAAAAAAAAAAAAAAAAAAAAAAAAAAAAAAAAAAAAf39/ACUAAABYAAAAAAAAAAAAAAAAAAAAAAAAAAAAAAAAAAAAAAAAAAAAAAAAAAAAAAAAAAAAAAA/AAAAAAAAAKCGAQAAAAAAAAAAAAAAAAAMAAAAAQAAAAAAAAAAAAAAAAAAAB8AAABUAAAAAAAABQAAAAEAAAAAAAAAAAAAAAAAAAAAAAAAAAAAAAAAAAAAAAAAAAAAAAJ/f38AAAAAA8zMzADAwP8Af39/AAAAAAAAAAAAAAAAAAAAAAAAAAAAIQAAABgAAAAUAAAAwTUAABsnAABARwAAWSkAABAAAAAmAAAACAAAAAAAAAAAAAAAMAAAABQAAAAAAAAAAAD//wAAAQAAAP//AAABAA=="/>
+                <pr:smNativeData xmlns:pr="smNativeData" xmlns="smNativeData" val="SMDATA_16_D/2gZxMAAAAlAAAAZAAAAA8BAAAAkAAAAEgAAACQAAAASAAAAAAAAAABAAAAAAAAAAEAAABQAAAAAAAAAAAA4D8AAAAAAADgPwAAAAAAAOA/AAAAAAAA4D8AAAAAAADgPwAAAAAAAOA/AAAAAAAA4D8AAAAAAADgPwAAAAAAAOA/AAAAAAAA4D8CAAAAjAAAAAAAAAAAAAAAu+DjDP///wgAAAAAAAAAAAAAAAAAAAAAAAAAAAAAAAAAAAAAZAAAAAEAAABAAAAAAAAAAAAAAAAAAAAAAAAAAAAAAAAAAAAAAAAAAAAAAAAAAAAAAAAAAAAAAAAAAAAAAAAAAAAAAAAAAAAAAAAAAAAAAAAAAAAAAAAAAAAAAAAAAAAAFAAAADwAAAAAAAAAAAAAAAAAAAkUAAAAAQAAABQAAAAUAAAAFAAAAAEAAAAAAAAAZAAAAGQAAAAAAAAAZAAAAGQAAAAVAAAAYAAAAAAAAAAAAAAADwAAACADAAAAAAAAAAAAAAEAAACgMgAAVgcAAKr4//8BAAAAf39/AAEAAABkAAAAAAAAABQAAABAHwAAAAAAACYAAAAAAAAAwOD//wAAAAAmAAAAZAAAABYAAABMAAAAAAAAAAAAAAAEAAAAAAAAAAEAAACAgIAKAAAAACgAAAAoAAAAZAAAAGQAAAAAAAAAzMzMAAAAAABQAAAAUAAAAGQAAABkAAAAAAAAABcAAAAUAAAAAAAAAAAAAAD/fwAA/38AAAAAAAAJAAAABAAAAAAAAAAeAAAAaAAAAAAAAAAAAAAAAAAAAAAAAAAAAAAAECcAABAnAAAAAAAAAAAAAAAAAAAAAAAAAAAAAAAAAAAAAAAAAAAAABQAAAAAAAAAwMD/AAAAAABkAAAAMgAAAAAAAABkAAAAAAAAAH9/fwAKAAAAIgAAABgAAAAAAAAAAAAAAAAAAAAAAAAAAAAAAAAAAAAkAAAAJAAAAAAAAAAHAAAAAAAAAAAAAAAAAAAAAAAAAAAAAAAAAAAAf39/ACUAAABYAAAAAAAAAAAAAAAAAAAAAAAAAAAAAAAAAAAAAAAAAAAAAAAAAAAAAAAAAAAAAAA/AAAAAAAAAKCGAQAAAAAAAAAAAAAAAAAMAAAAAQAAAAAAAAAAAAAAAAAAAB8AAABUAAAAAAAABQAAAAEAAAAAAAAAAAAAAAAAAAAAAAAAAAAAAAAAAAAAAAAAAAAAAAJ/f38AAAAAA8zMzADAwP8Af39/AAAAAAAAAAAAAAAAAAAAAAAAAAAAIQAAABgAAAAUAAAAwTUAABsnAABARwAAWSkAABAAAAAmAAAACAAAAAAAAAAAAAAAMAAAABQAAAAAAAAAAAD//wAAAQAAAP//AAABAA=="/>
               </a:ext>
             </a:extLst>
           </p:cNvSpPr>
@@ -2463,7 +2463,7 @@
           <a:lstStyle/>
           <a:p>
             <a:pPr/>
-            <a:fld id="{3D1403C0-8ED0-41F5-9EAC-78A04DE2682D}" type="slidenum">
+            <a:fld id="{3DF98787-C9D0-AC71-9E41-3F24C90F686A}" type="slidenum">
               <a:t/>
             </a:fld>
           </a:p>
@@ -2502,7 +2502,7 @@
             <a:spLocks noGrp="1" noChangeArrowheads="1"/>
             <a:extLst>
               <a:ext uri="smNativeData">
-                <pr:smNativeData xmlns:pr="smNativeData" xmlns="smNativeData" val="SMDATA_16_yvWgZxMAAAAlAAAAZAAAAA8BAAAAkAAAAEgAAACQAAAASAAAAAAAAAACAAAAAAAAAAEAAABQAAAAAAAAAAAA4D8AAAAAAADgPwAAAAAAAOA/AAAAAAAA4D8AAAAAAADgPwAAAAAAAOA/AAAAAAAA4D8AAAAAAADgPwAAAAAAAOA/AAAAAAAA4D8CAAAAjAAAAAAAAAAAAAAAu+DjDP///wgAAAAAAAAAAAAAAAAAAAAAAAAAAAAAAAAAAAAAZAAAAAEAAABAAAAAAAAAAAAAAAAAAAAAAAAAAAAAAAAAAAAAAAAAAAAAAAAAAAAAAAAAAAAAAAAAAAAAAAAAAAAAAAAAAAAAAAAAAAAAAAAAAAAAAAAAAAAAAAAAAAAAFAAAADwAAAAAAAAAAAAAAAAAAAkUAAAAAQAAABQAAAAUAAAAFAAAAAEAAAAAAAAAZAAAAGQAAAAAAAAAZAAAAGQAAAAVAAAAYAAAAAAAAAAAAAAADwAAACADAAAAAAAAAAAAAAEAAACgMgAAVgcAAKr4//8BAAAAf39/AAEAAABkAAAAAAAAABQAAABAHwAAAAAAACYAAAAAAAAAwOD//wAAAAAmAAAAZAAAABYAAABMAAAAAAAAAAAAAAAEAAAAAAAAAAEAAACAgIAKAAAAACgAAAAoAAAAZAAAAGQAAAAAAAAAzMzMAAAAAABQAAAAUAAAAGQAAABkAAAAAAAAABcAAAAUAAAAAAAAAAAAAAD/fwAA/38AAAAAAAAJAAAABAAAAAAAAAAeAAAAaAAAAAAAAAAAAAAAAAAAAAAAAAAAAAAAECcAABAnAAAAAAAAAAAAAAAAAAAAAAAAAAAAAAAAAAAAAAAAAAAAABQAAAAAAAAAwMD/AAAAAABkAAAAMgAAAAAAAABkAAAAAAAAAH9/fwAKAAAAIgAAABgAAAAAAAAAAAAAAAAAAAAAAAAAAAAAAAAAAAAkAAAAJAAAAAAAAAAHAAAAAAAAAAAAAAAAAAAAAAAAAAAAAAAAAAAAf39/ACUAAABYAAAAAAAAAAAAAAAAAAAAAAAAAAAAAAAAAAAAAAAAAAAAAAAAAAAAAAAAAAAAAAA/AAAAAAAAAKCGAQAAAAAAAAAAAAAAAAAMAAAAAQAAAAAAAAAAAAAAAAAAAB8AAABUAAAAAAAABQAAAAEAAAAAAAAAAAAAAAAAAAAAAAAAAAAAAAAAAAAAAAAAAAAAAAJ/f38AAAAAA8zMzADAwP8Af39/AAAAAAAAAAAAAAAAAAAAAAAAAAAAIQAAABgAAAAUAAAAsw4AAIgdAACzOwAABCEAABAAAAAmAAAACAAAAIGAAAAAAAAAMAAAABQAAAAAAAAAAAD//wAAAQAAAP//AAABAA=="/>
+                <pr:smNativeData xmlns:pr="smNativeData" xmlns="smNativeData" val="SMDATA_16_D/2gZxMAAAAlAAAAZAAAAA8BAAAAkAAAAEgAAACQAAAASAAAAAAAAAACAAAAAAAAAAEAAABQAAAAAAAAAAAA4D8AAAAAAADgPwAAAAAAAOA/AAAAAAAA4D8AAAAAAADgPwAAAAAAAOA/AAAAAAAA4D8AAAAAAADgPwAAAAAAAOA/AAAAAAAA4D8CAAAAjAAAAAAAAAAAAAAAu+DjDP///wgAAAAAAAAAAAAAAAAAAAAAAAAAAAAAAAAAAAAAZAAAAAEAAABAAAAAAAAAAAAAAAAAAAAAAAAAAAAAAAAAAAAAAAAAAAAAAAAAAAAAAAAAAAAAAAAAAAAAAAAAAAAAAAAAAAAAAAAAAAAAAAAAAAAAAAAAAAAAAAAAAAAAFAAAADwAAAAAAAAAAAAAAAAAAAkUAAAAAQAAABQAAAAUAAAAFAAAAAEAAAAAAAAAZAAAAGQAAAAAAAAAZAAAAGQAAAAVAAAAYAAAAAAAAAAAAAAADwAAACADAAAAAAAAAAAAAAEAAACgMgAAVgcAAKr4//8BAAAAf39/AAEAAABkAAAAAAAAABQAAABAHwAAAAAAACYAAAAAAAAAwOD//wAAAAAmAAAAZAAAABYAAABMAAAAAAAAAAAAAAAEAAAAAAAAAAEAAACAgIAKAAAAACgAAAAoAAAAZAAAAGQAAAAAAAAAzMzMAAAAAABQAAAAUAAAAGQAAABkAAAAAAAAABcAAAAUAAAAAAAAAAAAAAD/fwAA/38AAAAAAAAJAAAABAAAAAAAAAAeAAAAaAAAAAAAAAAAAAAAAAAAAAAAAAAAAAAAECcAABAnAAAAAAAAAAAAAAAAAAAAAAAAAAAAAAAAAAAAAAAAAAAAABQAAAAAAAAAwMD/AAAAAABkAAAAMgAAAAAAAABkAAAAAAAAAH9/fwAKAAAAIgAAABgAAAAAAAAAAAAAAAAAAAAAAAAAAAAAAAAAAAAkAAAAJAAAAAAAAAAHAAAAAAAAAAAAAAAAAAAAAAAAAAAAAAAAAAAAf39/ACUAAABYAAAAAAAAAAAAAAAAAAAAAAAAAAAAAAAAAAAAAAAAAAAAAAAAAAAAAAAAAAAAAAA/AAAAAAAAAKCGAQAAAAAAAAAAAAAAAAAMAAAAAQAAAAAAAAAAAAAAAAAAAB8AAABUAAAAAAAABQAAAAEAAAAAAAAAAAAAAAAAAAAAAAAAAAAAAAAAAAAAAAAAAAAAAAJ/f38AAAAAA8zMzADAwP8Af39/AAAAAAAAAAAAAAAAAAAAAAAAAAAAIQAAABgAAAAUAAAAsw4AAIgdAACzOwAABCEAABAAAAAmAAAACAAAAIGAAAAAAAAAMAAAABQAAAAAAAAAAAD//wAAAQAAAP//AAABAA=="/>
               </a:ext>
             </a:extLst>
           </p:cNvSpPr>
@@ -2542,7 +2542,7 @@
             <a:spLocks noGrp="1" noChangeArrowheads="1"/>
             <a:extLst>
               <a:ext uri="smNativeData">
-                <pr:smNativeData xmlns:pr="smNativeData" xmlns="smNativeData" val="SMDATA_16_yvWgZxMAAAAlAAAAZAAAAA8BAAAAkAAAAEgAAACQAAAASAAAAAAAAAAAAAAAAAAAAAEAAABQAAAAAAAAAAAA4D8AAAAAAADgPwAAAAAAAOA/AAAAAAAA4D8AAAAAAADgPwAAAAAAAOA/AAAAAAAA4D8AAAAAAADgPwAAAAAAAOA/AAAAAAAA4D8CAAAAjAAAAAAAAAAAAAAAu+DjDP///wgAAAAAAAAAAAAAAAAAAAAAAAAAAAAAAAAAAAAAZAAAAAEAAABAAAAAAAAAAAAAAAAAAAAAAAAAAAAAAAAAAAAAAAAAAAAAAAAAAAAAAAAAAAAAAAAAAAAAAAAAAAAAAAAAAAAAAAAAAAAAAAAAAAAAAAAAAAAAAAAAAAAAFAAAADwAAAAAAAAAAAAAAAAAAAkUAAAAAQAAABQAAAAUAAAAFAAAAAEAAAAAAAAAZAAAAGQAAAAAAAAAZAAAAGQAAAAVAAAAYAAAAAAAAAAAAAAADwAAACADAAAAAAAAAAAAAAEAAACgMgAAVgcAAKr4//8BAAAAf39/AAEAAABkAAAAAAAAABQAAABAHwAAAAAAACYAAAAAAAAAwOD//wAAAAAmAAAAZAAAABYAAABMAAAAAAAAAAAAAAAEAAAAAAAAAAEAAACAgIAKAAAAACgAAAAoAAAAZAAAAGQAAAAAAAAAzMzMAAAAAABQAAAAUAAAAGQAAABkAAAAAAAAABcAAAAUAAAAAAAAAAAAAAD/fwAA/38AAAAAAAAJAAAABAAAAAAAAAAeAAAAaAAAAAAAAAAAAAAAAAAAAAAAAAAAAAAAECcAABAnAAAAAAAAAAAAAAAAAAAAAAAAAAAAAAAAAAAAAAAAAAAAABQAAAAAAAAAwMD/AAAAAABkAAAAMgAAAAAAAABkAAAAAAAAAH9/fwAKAAAAIgAAABgAAAAAAAAAAAAAAAAAAAAAAAAAAAAAAAAAAAAkAAAAJAAAAAAAAAAHAAAAAAAAAAAAAAAAAAAAAAAAAAAAAAAAAAAAf39/ACUAAABYAAAAAAAAAAAAAAAAAAAAAAAAAAAAAAAAAAAAAAAAAAAAAAAAAAAAAAAAAAAAAAA/AAAAAAAAAKCGAQAAAAAAAAAAAAAAAAAMAAAAAQAAAAAAAAAAAAAAAAAAAB8AAABUAAAAAAAABQAAAAEAAAAAAAAAAAAAAAAAAAAAAAAAAAAAAAAAAAAAAAAAAAAAAAJ/f38AAAAAA8zMzADAwP8Af39/AAAAAAAAAAAAAAAAAAAAAAAAAAAAIQAAABgAAAAUAAAAsw4AAMYDAACzOwAAFh0AABAAAAAmAAAACAAAAAGAAAAAAAAAMAAAABQAAAAAAAAAAAD//wAAAQAAAP//AAABAA=="/>
+                <pr:smNativeData xmlns:pr="smNativeData" xmlns="smNativeData" val="SMDATA_16_D/2gZxMAAAAlAAAAZAAAAA8BAAAAkAAAAEgAAACQAAAASAAAAAAAAAAAAAAAAAAAAAEAAABQAAAAAAAAAAAA4D8AAAAAAADgPwAAAAAAAOA/AAAAAAAA4D8AAAAAAADgPwAAAAAAAOA/AAAAAAAA4D8AAAAAAADgPwAAAAAAAOA/AAAAAAAA4D8CAAAAjAAAAAAAAAAAAAAAu+DjDP///wgAAAAAAAAAAAAAAAAAAAAAAAAAAAAAAAAAAAAAZAAAAAEAAABAAAAAAAAAAAAAAAAAAAAAAAAAAAAAAAAAAAAAAAAAAAAAAAAAAAAAAAAAAAAAAAAAAAAAAAAAAAAAAAAAAAAAAAAAAAAAAAAAAAAAAAAAAAAAAAAAAAAAFAAAADwAAAAAAAAAAAAAAAAAAAkUAAAAAQAAABQAAAAUAAAAFAAAAAEAAAAAAAAAZAAAAGQAAAAAAAAAZAAAAGQAAAAVAAAAYAAAAAAAAAAAAAAADwAAACADAAAAAAAAAAAAAAEAAACgMgAAVgcAAKr4//8BAAAAf39/AAEAAABkAAAAAAAAABQAAABAHwAAAAAAACYAAAAAAAAAwOD//wAAAAAmAAAAZAAAABYAAABMAAAAAAAAAAAAAAAEAAAAAAAAAAEAAACAgIAKAAAAACgAAAAoAAAAZAAAAGQAAAAAAAAAzMzMAAAAAABQAAAAUAAAAGQAAABkAAAAAAAAABcAAAAUAAAAAAAAAAAAAAD/fwAA/38AAAAAAAAJAAAABAAAAAAAAAAeAAAAaAAAAAAAAAAAAAAAAAAAAAAAAAAAAAAAECcAABAnAAAAAAAAAAAAAAAAAAAAAAAAAAAAAAAAAAAAAAAAAAAAABQAAAAAAAAAwMD/AAAAAABkAAAAMgAAAAAAAABkAAAAAAAAAH9/fwAKAAAAIgAAABgAAAAAAAAAAAAAAAAAAAAAAAAAAAAAAAAAAAAkAAAAJAAAAAAAAAAHAAAAAAAAAAAAAAAAAAAAAAAAAAAAAAAAAAAAf39/ACUAAABYAAAAAAAAAAAAAAAAAAAAAAAAAAAAAAAAAAAAAAAAAAAAAAAAAAAAAAAAAAAAAAA/AAAAAAAAAKCGAQAAAAAAAAAAAAAAAAAMAAAAAQAAAAAAAAAAAAAAAAAAAB8AAABUAAAAAAAABQAAAAEAAAAAAAAAAAAAAAAAAAAAAAAAAAAAAAAAAAAAAAAAAAAAAAJ/f38AAAAAA8zMzADAwP8Af39/AAAAAAAAAAAAAAAAAAAAAAAAAAAAIQAAABgAAAAUAAAAsw4AAMYDAACzOwAAFh0AABAAAAAmAAAACAAAAAGAAAAAAAAAMAAAABQAAAAAAAAAAAD//wAAAQAAAP//AAABAA=="/>
               </a:ext>
             </a:extLst>
           </p:cNvSpPr>
@@ -2611,7 +2611,7 @@
             <a:spLocks noGrp="1" noChangeArrowheads="1"/>
             <a:extLst>
               <a:ext uri="smNativeData">
-                <pr:smNativeData xmlns:pr="smNativeData" xmlns="smNativeData" val="SMDATA_16_yvWgZxMAAAAlAAAAZAAAAA8BAAAAkAAAAEgAAACQAAAASAAAAAAAAAAAAAAAAAAAAAEAAABQAAAAAAAAAAAA4D8AAAAAAADgPwAAAAAAAOA/AAAAAAAA4D8AAAAAAADgPwAAAAAAAOA/AAAAAAAA4D8AAAAAAADgPwAAAAAAAOA/AAAAAAAA4D8CAAAAjAAAAAAAAAAAAAAAu+DjDP///wgAAAAAAAAAAAAAAAAAAAAAAAAAAAAAAAAAAAAAZAAAAAEAAABAAAAAAAAAAAAAAAAAAAAAAAAAAAAAAAAAAAAAAAAAAAAAAAAAAAAAAAAAAAAAAAAAAAAAAAAAAAAAAAAAAAAAAAAAAAAAAAAAAAAAAAAAAAAAAAAAAAAAFAAAADwAAAAAAAAAAAAAAAAAAAkUAAAAAQAAABQAAAAUAAAAFAAAAAEAAAAAAAAAZAAAAGQAAAAAAAAAZAAAAGQAAAAVAAAAYAAAAAAAAAAAAAAADwAAACADAAAAAAAAAAAAAAEAAACgMgAAVgcAAKr4//8BAAAAf39/AAEAAABkAAAAAAAAABQAAABAHwAAAAAAACYAAAAAAAAAwOD//wAAAAAmAAAAZAAAABYAAABMAAAAAAAAAAAAAAAEAAAAAAAAAAEAAACAgIAKAAAAACgAAAAoAAAAZAAAAGQAAAAAAAAAzMzMAAAAAABQAAAAUAAAAGQAAABkAAAAAAAAABcAAAAUAAAAAAAAAAAAAAD/fwAA/38AAAAAAAAJAAAABAAAAAAAAAAeAAAAaAAAAAAAAAAAAAAAAAAAAAAAAAAAAAAAECcAABAnAAAAAAAAAAAAAAAAAAAAAAAAAAAAAAAAAAAAAAAAAAAAABQAAAAAAAAAwMD/AAAAAABkAAAAMgAAAAAAAABkAAAAAAAAAH9/fwAKAAAAIgAAABgAAAAAAAAAAAAAAAAAAAAAAAAAAAAAAAAAAAAkAAAAJAAAAAAAAAAHAAAAAAAAAAAAAAAAAAAAAAAAAAAAAAAAAAAAf39/ACUAAABYAAAAAAAAAAAAAAAAAAAAAAAAAAAAAAAAAAAAAAAAAAAAAAAAAAAAAAAAAAAAAAA/AAAAAAAAAKCGAQAAAAAAAAAAAAAAAAAMAAAAAQAAAAAAAAAAAAAAAAAAAB8AAABUAAAAAAAABQAAAAEAAAAAAAAAAAAAAAAAAAAAAAAAAAAAAAAAAAAAAAAAAAAAAAJ/f38AAAAAA8zMzADAwP8Af39/AAAAAAAAAAAAAAAAAAAAAAAAAAAAIQAAABgAAAAUAAAAsw4AAAQhAACzOwAA+CUAABAAAAAmAAAACAAAAAGAAAAAAAAAMAAAABQAAAAAAAAAAAD//wAAAQAAAP//AAABAA=="/>
+                <pr:smNativeData xmlns:pr="smNativeData" xmlns="smNativeData" val="SMDATA_16_D/2gZxMAAAAlAAAAZAAAAA8BAAAAkAAAAEgAAACQAAAASAAAAAAAAAAAAAAAAAAAAAEAAABQAAAAAAAAAAAA4D8AAAAAAADgPwAAAAAAAOA/AAAAAAAA4D8AAAAAAADgPwAAAAAAAOA/AAAAAAAA4D8AAAAAAADgPwAAAAAAAOA/AAAAAAAA4D8CAAAAjAAAAAAAAAAAAAAAu+DjDP///wgAAAAAAAAAAAAAAAAAAAAAAAAAAAAAAAAAAAAAZAAAAAEAAABAAAAAAAAAAAAAAAAAAAAAAAAAAAAAAAAAAAAAAAAAAAAAAAAAAAAAAAAAAAAAAAAAAAAAAAAAAAAAAAAAAAAAAAAAAAAAAAAAAAAAAAAAAAAAAAAAAAAAFAAAADwAAAAAAAAAAAAAAAAAAAkUAAAAAQAAABQAAAAUAAAAFAAAAAEAAAAAAAAAZAAAAGQAAAAAAAAAZAAAAGQAAAAVAAAAYAAAAAAAAAAAAAAADwAAACADAAAAAAAAAAAAAAEAAACgMgAAVgcAAKr4//8BAAAAf39/AAEAAABkAAAAAAAAABQAAABAHwAAAAAAACYAAAAAAAAAwOD//wAAAAAmAAAAZAAAABYAAABMAAAAAAAAAAAAAAAEAAAAAAAAAAEAAACAgIAKAAAAACgAAAAoAAAAZAAAAGQAAAAAAAAAzMzMAAAAAABQAAAAUAAAAGQAAABkAAAAAAAAABcAAAAUAAAAAAAAAAAAAAD/fwAA/38AAAAAAAAJAAAABAAAAAAAAAAeAAAAaAAAAAAAAAAAAAAAAAAAAAAAAAAAAAAAECcAABAnAAAAAAAAAAAAAAAAAAAAAAAAAAAAAAAAAAAAAAAAAAAAABQAAAAAAAAAwMD/AAAAAABkAAAAMgAAAAAAAABkAAAAAAAAAH9/fwAKAAAAIgAAABgAAAAAAAAAAAAAAAAAAAAAAAAAAAAAAAAAAAAkAAAAJAAAAAAAAAAHAAAAAAAAAAAAAAAAAAAAAAAAAAAAAAAAAAAAf39/ACUAAABYAAAAAAAAAAAAAAAAAAAAAAAAAAAAAAAAAAAAAAAAAAAAAAAAAAAAAAAAAAAAAAA/AAAAAAAAAKCGAQAAAAAAAAAAAAAAAAAMAAAAAQAAAAAAAAAAAAAAAAAAAB8AAABUAAAAAAAABQAAAAEAAAAAAAAAAAAAAAAAAAAAAAAAAAAAAAAAAAAAAAAAAAAAAAJ/f38AAAAAA8zMzADAwP8Af39/AAAAAAAAAAAAAAAAAAAAAAAAAAAAIQAAABgAAAAUAAAAsw4AAAQhAACzOwAA+CUAABAAAAAmAAAACAAAAAGAAAAAAAAAMAAAABQAAAAAAAAAAAD//wAAAQAAAP//AAABAA=="/>
               </a:ext>
             </a:extLst>
           </p:cNvSpPr>
@@ -2680,7 +2680,7 @@
             <a:spLocks noGrp="1" noChangeArrowheads="1"/>
             <a:extLst>
               <a:ext uri="smNativeData">
-                <pr:smNativeData xmlns:pr="smNativeData" xmlns="smNativeData" val="SMDATA_16_yvWgZxMAAAAlAAAAZAAAAA8BAAAAkAAAAEgAAACQAAAASAAAAAAAAAABAAAAAAAAAAEAAABQAAAAAAAAAAAA4D8AAAAAAADgPwAAAAAAAOA/AAAAAAAA4D8AAAAAAADgPwAAAAAAAOA/AAAAAAAA4D8AAAAAAADgPwAAAAAAAOA/AAAAAAAA4D8CAAAAjAAAAAAAAAAAAAAAu+DjDP///wgAAAAAAAAAAAAAAAAAAAAAAAAAAAAAAAAAAAAAZAAAAAEAAABAAAAAAAAAAAAAAAAAAAAAAAAAAAAAAAAAAAAAAAAAAAAAAAAAAAAAAAAAAAAAAAAAAAAAAAAAAAAAAAAAAAAAAAAAAAAAAAAAAAAAAAAAAAAAAAAAAAAAFAAAADwAAAAAAAAAAAAAAAAAAAkUAAAAAQAAABQAAAAUAAAAFAAAAAEAAAAAAAAAZAAAAGQAAAAAAAAAZAAAAGQAAAAVAAAAYAAAAAAAAAAAAAAADwAAACADAAAAAAAAAAAAAAEAAACgMgAAVgcAAKr4//8BAAAAf39/AAEAAABkAAAAAAAAABQAAABAHwAAAAAAACYAAAAAAAAAwOD//wAAAAAmAAAAZAAAABYAAABMAAAAAAAAAAAAAAAEAAAAAAAAAAEAAACAgIAKAAAAACgAAAAoAAAAZAAAAGQAAAAAAAAAzMzMAAAAAABQAAAAUAAAAGQAAABkAAAAAAAAABcAAAAUAAAAAAAAAAAAAAD/fwAA/38AAAAAAAAJAAAABAAAAAAAAAAeAAAAaAAAAAAAAAAAAAAAAAAAAAAAAAAAAAAAECcAABAnAAAAAAAAAAAAAAAAAAAAAAAAAAAAAAAAAAAAAAAAAAAAABQAAAAAAAAAwMD/AAAAAABkAAAAMgAAAAAAAABkAAAAAAAAAH9/fwAKAAAAIgAAABgAAAAAAAAAAAAAAAAAAAAAAAAAAAAAAAAAAAAkAAAAJAAAAAAAAAAHAAAAAAAAAAAAAAAAAAAAAAAAAAAAAAAAAAAAf39/ACUAAABYAAAAAAAAAAAAAAAAAAAAAAAAAAAAAAAAAAAAAAAAAAAAAAAAAAAAAAAAAAAAAAA/AAAAAAAAAKCGAQAAAAAAAAAAAAAAAAAMAAAAAQAAAAAAAAAAAAAAAAAAAB8AAABUAAAAAAAABQAAAAEAAAAAAAAAAAAAAAAAAAAAAAAAAAAAAAAAAAAAAAAAAAAAAAJ/f38AAAAAA8zMzADAwP8Af39/AAAAAAAAAAAAAAAAAAAAAAAAAAAAIQAAABgAAAAUAAAAwAMAABsnAAA/FQAAWSkAABAAAAAmAAAACAAAAAAAAAAAAAAAMAAAABQAAAAAAAAAAAD//wAAAQAAAP//AAABAA=="/>
+                <pr:smNativeData xmlns:pr="smNativeData" xmlns="smNativeData" val="SMDATA_16_D/2gZxMAAAAlAAAAZAAAAA8BAAAAkAAAAEgAAACQAAAASAAAAAAAAAABAAAAAAAAAAEAAABQAAAAAAAAAAAA4D8AAAAAAADgPwAAAAAAAOA/AAAAAAAA4D8AAAAAAADgPwAAAAAAAOA/AAAAAAAA4D8AAAAAAADgPwAAAAAAAOA/AAAAAAAA4D8CAAAAjAAAAAAAAAAAAAAAu+DjDP///wgAAAAAAAAAAAAAAAAAAAAAAAAAAAAAAAAAAAAAZAAAAAEAAABAAAAAAAAAAAAAAAAAAAAAAAAAAAAAAAAAAAAAAAAAAAAAAAAAAAAAAAAAAAAAAAAAAAAAAAAAAAAAAAAAAAAAAAAAAAAAAAAAAAAAAAAAAAAAAAAAAAAAFAAAADwAAAAAAAAAAAAAAAAAAAkUAAAAAQAAABQAAAAUAAAAFAAAAAEAAAAAAAAAZAAAAGQAAAAAAAAAZAAAAGQAAAAVAAAAYAAAAAAAAAAAAAAADwAAACADAAAAAAAAAAAAAAEAAACgMgAAVgcAAKr4//8BAAAAf39/AAEAAABkAAAAAAAAABQAAABAHwAAAAAAACYAAAAAAAAAwOD//wAAAAAmAAAAZAAAABYAAABMAAAAAAAAAAAAAAAEAAAAAAAAAAEAAACAgIAKAAAAACgAAAAoAAAAZAAAAGQAAAAAAAAAzMzMAAAAAABQAAAAUAAAAGQAAABkAAAAAAAAABcAAAAUAAAAAAAAAAAAAAD/fwAA/38AAAAAAAAJAAAABAAAAAAAAAAeAAAAaAAAAAAAAAAAAAAAAAAAAAAAAAAAAAAAECcAABAnAAAAAAAAAAAAAAAAAAAAAAAAAAAAAAAAAAAAAAAAAAAAABQAAAAAAAAAwMD/AAAAAABkAAAAMgAAAAAAAABkAAAAAAAAAH9/fwAKAAAAIgAAABgAAAAAAAAAAAAAAAAAAAAAAAAAAAAAAAAAAAAkAAAAJAAAAAAAAAAHAAAAAAAAAAAAAAAAAAAAAAAAAAAAAAAAAAAAf39/ACUAAABYAAAAAAAAAAAAAAAAAAAAAAAAAAAAAAAAAAAAAAAAAAAAAAAAAAAAAAAAAAAAAAA/AAAAAAAAAKCGAQAAAAAAAAAAAAAAAAAMAAAAAQAAAAAAAAAAAAAAAAAAAB8AAABUAAAAAAAABQAAAAEAAAAAAAAAAAAAAAAAAAAAAAAAAAAAAAAAAAAAAAAAAAAAAAJ/f38AAAAAA8zMzADAwP8Af39/AAAAAAAAAAAAAAAAAAAAAAAAAAAAIQAAABgAAAAUAAAAwAMAABsnAAA/FQAAWSkAABAAAAAmAAAACAAAAAAAAAAAAAAAMAAAABQAAAAAAAAAAAD//wAAAQAAAP//AAABAA=="/>
               </a:ext>
             </a:extLst>
           </p:cNvSpPr>
@@ -2694,7 +2694,7 @@
           <a:lstStyle/>
           <a:p>
             <a:pPr/>
-            <a:fld id="{3D144B8E-C0D0-41BD-9EAC-36E805E26863}" type="datetime1">
+            <a:fld id="{3DF9BAC5-8BD0-AC4C-9E41-7D19F40F6828}" type="datetime1">
               <a:t/>
             </a:fld>
           </a:p>
@@ -2707,7 +2707,7 @@
             <a:spLocks noGrp="1" noChangeArrowheads="1"/>
             <a:extLst>
               <a:ext uri="smNativeData">
-                <pr:smNativeData xmlns:pr="smNativeData" xmlns="smNativeData" val="SMDATA_16_yvWgZxMAAAAlAAAAZAAAAA8BAAAAkAAAAEgAAACQAAAASAAAAAAAAAABAAAAAAAAAAEAAABQAAAAAAAAAAAA4D8AAAAAAADgPwAAAAAAAOA/AAAAAAAA4D8AAAAAAADgPwAAAAAAAOA/AAAAAAAA4D8AAAAAAADgPwAAAAAAAOA/AAAAAAAA4D8CAAAAjAAAAAAAAAAAAAAAu+DjDP///wgAAAAAAAAAAAAAAAAAAAAAAAAAAAAAAAAAAAAAZAAAAAEAAABAAAAAAAAAAAAAAAAAAAAAAAAAAAAAAAAAAAAAAAAAAAAAAAAAAAAAAAAAAAAAAAAAAAAAAAAAAAAAAAAAAAAAAAAAAAAAAAAAAAAAAAAAAAAAAAAAAAAAFAAAADwAAAAAAAAAAAAAAAAAAAkUAAAAAQAAABQAAAAUAAAAFAAAAAEAAAAAAAAAZAAAAGQAAAAAAAAAZAAAAGQAAAAVAAAAYAAAAAAAAAAAAAAADwAAACADAAAAAAAAAAAAAAEAAACgMgAAVgcAAKr4//8BAAAAf39/AAEAAABkAAAAAAAAABQAAABAHwAAAAAAACYAAAAAAAAAwOD//wAAAAAmAAAAZAAAABYAAABMAAAAAAAAAAAAAAAEAAAAAAAAAAEAAACAgIAKAAAAACgAAAAoAAAAZAAAAGQAAAAAAAAAzMzMAAAAAABQAAAAUAAAAGQAAABkAAAAAAAAABcAAAAUAAAAAAAAAAAAAAD/fwAA/38AAAAAAAAJAAAABAAAAAAAAAAeAAAAaAAAAAAAAAAAAAAAAAAAAAAAAAAAAAAAECcAABAnAAAAAAAAAAAAAAAAAAAAAAAAAAAAAAAAAAAAAAAAAAAAABQAAAAAAAAAwMD/AAAAAABkAAAAMgAAAAAAAABkAAAAAAAAAH9/fwAKAAAAIgAAABgAAAAAAAAAAAAAAAAAAAAAAAAAAAAAAAAAAAAkAAAAJAAAAAAAAAAHAAAAAAAAAAAAAAAAAAAAAAAAAAAAAAAAAAAAf39/ACUAAABYAAAAAAAAAAAAAAAAAAAAAAAAAAAAAAAAAAAAAAAAAAAAAAAAAAAAAAAAAAAAAAA/AAAAAAAAAKCGAQAAAAAAAAAAAAAAAAAMAAAAAQAAAAAAAAAAAAAAAAAAAB8AAABUAAAAAAAABQAAAAEAAAAAAAAAAAAAAAAAAAAAAAAAAAAAAAAAAAAAAAAAAAAAAAJ/f38AAAAAA8zMzADAwP8Af39/AAAAAAAAAAAAAAAAAAAAAAAAAAAAIQAAABgAAAAUAAAAoRkAABsnAABfMQAAWSkAABAAAAAmAAAACAAAAAAAAAAAAAAAMAAAABQAAAAAAAAAAAD//wAAAQAAAP//AAABAA=="/>
+                <pr:smNativeData xmlns:pr="smNativeData" xmlns="smNativeData" val="SMDATA_16_D/2gZxMAAAAlAAAAZAAAAA8BAAAAkAAAAEgAAACQAAAASAAAAAAAAAABAAAAAAAAAAEAAABQAAAAAAAAAAAA4D8AAAAAAADgPwAAAAAAAOA/AAAAAAAA4D8AAAAAAADgPwAAAAAAAOA/AAAAAAAA4D8AAAAAAADgPwAAAAAAAOA/AAAAAAAA4D8CAAAAjAAAAAAAAAAAAAAAu+DjDP///wgAAAAAAAAAAAAAAAAAAAAAAAAAAAAAAAAAAAAAZAAAAAEAAABAAAAAAAAAAAAAAAAAAAAAAAAAAAAAAAAAAAAAAAAAAAAAAAAAAAAAAAAAAAAAAAAAAAAAAAAAAAAAAAAAAAAAAAAAAAAAAAAAAAAAAAAAAAAAAAAAAAAAFAAAADwAAAAAAAAAAAAAAAAAAAkUAAAAAQAAABQAAAAUAAAAFAAAAAEAAAAAAAAAZAAAAGQAAAAAAAAAZAAAAGQAAAAVAAAAYAAAAAAAAAAAAAAADwAAACADAAAAAAAAAAAAAAEAAACgMgAAVgcAAKr4//8BAAAAf39/AAEAAABkAAAAAAAAABQAAABAHwAAAAAAACYAAAAAAAAAwOD//wAAAAAmAAAAZAAAABYAAABMAAAAAAAAAAAAAAAEAAAAAAAAAAEAAACAgIAKAAAAACgAAAAoAAAAZAAAAGQAAAAAAAAAzMzMAAAAAABQAAAAUAAAAGQAAABkAAAAAAAAABcAAAAUAAAAAAAAAAAAAAD/fwAA/38AAAAAAAAJAAAABAAAAAAAAAAeAAAAaAAAAAAAAAAAAAAAAAAAAAAAAAAAAAAAECcAABAnAAAAAAAAAAAAAAAAAAAAAAAAAAAAAAAAAAAAAAAAAAAAABQAAAAAAAAAwMD/AAAAAABkAAAAMgAAAAAAAABkAAAAAAAAAH9/fwAKAAAAIgAAABgAAAAAAAAAAAAAAAAAAAAAAAAAAAAAAAAAAAAkAAAAJAAAAAAAAAAHAAAAAAAAAAAAAAAAAAAAAAAAAAAAAAAAAAAAf39/ACUAAABYAAAAAAAAAAAAAAAAAAAAAAAAAAAAAAAAAAAAAAAAAAAAAAAAAAAAAAAAAAAAAAA/AAAAAAAAAKCGAQAAAAAAAAAAAAAAAAAMAAAAAQAAAAAAAAAAAAAAAAAAAB8AAABUAAAAAAAABQAAAAEAAAAAAAAAAAAAAAAAAAAAAAAAAAAAAAAAAAAAAAAAAAAAAAJ/f38AAAAAA8zMzADAwP8Af39/AAAAAAAAAAAAAAAAAAAAAAAAAAAAIQAAABgAAAAUAAAAoRkAABsnAABfMQAAWSkAABAAAAAmAAAACAAAAAAAAAAAAAAAMAAAABQAAAAAAAAAAAD//wAAAQAAAP//AAABAA=="/>
               </a:ext>
             </a:extLst>
           </p:cNvSpPr>
@@ -2731,7 +2731,7 @@
             <a:spLocks noGrp="1" noChangeArrowheads="1"/>
             <a:extLst>
               <a:ext uri="smNativeData">
-                <pr:smNativeData xmlns:pr="smNativeData" xmlns="smNativeData" val="SMDATA_16_yvWgZxMAAAAlAAAAZAAAAA8BAAAAkAAAAEgAAACQAAAASAAAAAAAAAABAAAAAAAAAAEAAABQAAAAAAAAAAAA4D8AAAAAAADgPwAAAAAAAOA/AAAAAAAA4D8AAAAAAADgPwAAAAAAAOA/AAAAAAAA4D8AAAAAAADgPwAAAAAAAOA/AAAAAAAA4D8CAAAAjAAAAAAAAAAAAAAAu+DjDP///wgAAAAAAAAAAAAAAAAAAAAAAAAAAAAAAAAAAAAAZAAAAAEAAABAAAAAAAAAAAAAAAAAAAAAAAAAAAAAAAAAAAAAAAAAAAAAAAAAAAAAAAAAAAAAAAAAAAAAAAAAAAAAAAAAAAAAAAAAAAAAAAAAAAAAAAAAAAAAAAAAAAAAFAAAADwAAAAAAAAAAAAAAAAAAAkUAAAAAQAAABQAAAAUAAAAFAAAAAEAAAAAAAAAZAAAAGQAAAAAAAAAZAAAAGQAAAAVAAAAYAAAAAAAAAAAAAAADwAAACADAAAAAAAAAAAAAAEAAACgMgAAVgcAAKr4//8BAAAAf39/AAEAAABkAAAAAAAAABQAAABAHwAAAAAAACYAAAAAAAAAwOD//wAAAAAmAAAAZAAAABYAAABMAAAAAAAAAAAAAAAEAAAAAAAAAAEAAACAgIAKAAAAACgAAAAoAAAAZAAAAGQAAAAAAAAAzMzMAAAAAABQAAAAUAAAAGQAAABkAAAAAAAAABcAAAAUAAAAAAAAAAAAAAD/fwAA/38AAAAAAAAJAAAABAAAAAAAAAAeAAAAaAAAAAAAAAAAAAAAAAAAAAAAAAAAAAAAECcAABAnAAAAAAAAAAAAAAAAAAAAAAAAAAAAAAAAAAAAAAAAAAAAABQAAAAAAAAAwMD/AAAAAABkAAAAMgAAAAAAAABkAAAAAAAAAH9/fwAKAAAAIgAAABgAAAAAAAAAAAAAAAAAAAAAAAAAAAAAAAAAAAAkAAAAJAAAAAAAAAAHAAAAAAAAAAAAAAAAAAAAAAAAAAAAAAAAAAAAf39/ACUAAABYAAAAAAAAAAAAAAAAAAAAAAAAAAAAAAAAAAAAAAAAAAAAAAAAAAAAAAAAAAAAAAA/AAAAAAAAAKCGAQAAAAAAAAAAAAAAAAAMAAAAAQAAAAAAAAAAAAAAAAAAAB8AAABUAAAAAAAABQAAAAEAAAAAAAAAAAAAAAAAAAAAAAAAAAAAAAAAAAAAAAAAAAAAAAJ/f38AAAAAA8zMzADAwP8Af39/AAAAAAAAAAAAAAAAAAAAAAAAAAAAIQAAABgAAAAUAAAAwTUAABsnAABARwAAWSkAABAAAAAmAAAACAAAAAAAAAAAAAAAMAAAABQAAAAAAAAAAAD//wAAAQAAAP//AAABAA=="/>
+                <pr:smNativeData xmlns:pr="smNativeData" xmlns="smNativeData" val="SMDATA_16_D/2gZxMAAAAlAAAAZAAAAA8BAAAAkAAAAEgAAACQAAAASAAAAAAAAAABAAAAAAAAAAEAAABQAAAAAAAAAAAA4D8AAAAAAADgPwAAAAAAAOA/AAAAAAAA4D8AAAAAAADgPwAAAAAAAOA/AAAAAAAA4D8AAAAAAADgPwAAAAAAAOA/AAAAAAAA4D8CAAAAjAAAAAAAAAAAAAAAu+DjDP///wgAAAAAAAAAAAAAAAAAAAAAAAAAAAAAAAAAAAAAZAAAAAEAAABAAAAAAAAAAAAAAAAAAAAAAAAAAAAAAAAAAAAAAAAAAAAAAAAAAAAAAAAAAAAAAAAAAAAAAAAAAAAAAAAAAAAAAAAAAAAAAAAAAAAAAAAAAAAAAAAAAAAAFAAAADwAAAAAAAAAAAAAAAAAAAkUAAAAAQAAABQAAAAUAAAAFAAAAAEAAAAAAAAAZAAAAGQAAAAAAAAAZAAAAGQAAAAVAAAAYAAAAAAAAAAAAAAADwAAACADAAAAAAAAAAAAAAEAAACgMgAAVgcAAKr4//8BAAAAf39/AAEAAABkAAAAAAAAABQAAABAHwAAAAAAACYAAAAAAAAAwOD//wAAAAAmAAAAZAAAABYAAABMAAAAAAAAAAAAAAAEAAAAAAAAAAEAAACAgIAKAAAAACgAAAAoAAAAZAAAAGQAAAAAAAAAzMzMAAAAAABQAAAAUAAAAGQAAABkAAAAAAAAABcAAAAUAAAAAAAAAAAAAAD/fwAA/38AAAAAAAAJAAAABAAAAAAAAAAeAAAAaAAAAAAAAAAAAAAAAAAAAAAAAAAAAAAAECcAABAnAAAAAAAAAAAAAAAAAAAAAAAAAAAAAAAAAAAAAAAAAAAAABQAAAAAAAAAwMD/AAAAAABkAAAAMgAAAAAAAABkAAAAAAAAAH9/fwAKAAAAIgAAABgAAAAAAAAAAAAAAAAAAAAAAAAAAAAAAAAAAAAkAAAAJAAAAAAAAAAHAAAAAAAAAAAAAAAAAAAAAAAAAAAAAAAAAAAAf39/ACUAAABYAAAAAAAAAAAAAAAAAAAAAAAAAAAAAAAAAAAAAAAAAAAAAAAAAAAAAAAAAAAAAAA/AAAAAAAAAKCGAQAAAAAAAAAAAAAAAAAMAAAAAQAAAAAAAAAAAAAAAAAAAB8AAABUAAAAAAAABQAAAAEAAAAAAAAAAAAAAAAAAAAAAAAAAAAAAAAAAAAAAAAAAAAAAAJ/f38AAAAAA8zMzADAwP8Af39/AAAAAAAAAAAAAAAAAAAAAAAAAAAAIQAAABgAAAAUAAAAwTUAABsnAABARwAAWSkAABAAAAAmAAAACAAAAAAAAAAAAAAAMAAAABQAAAAAAAAAAAD//wAAAQAAAP//AAABAA=="/>
               </a:ext>
             </a:extLst>
           </p:cNvSpPr>
@@ -2745,7 +2745,7 @@
           <a:lstStyle/>
           <a:p>
             <a:pPr/>
-            <a:fld id="{3D147619-57D0-4180-9EAC-A1D538E268F4}" type="slidenum">
+            <a:fld id="{3DF9C9BB-F5D0-AC3F-9E41-036A870F6856}" type="slidenum">
               <a:t/>
             </a:fld>
           </a:p>
@@ -2792,7 +2792,7 @@
             <a:spLocks noGrp="1" noChangeArrowheads="1"/>
             <a:extLst>
               <a:ext uri="smNativeData">
-                <pr:smNativeData xmlns:pr="smNativeData" xmlns="smNativeData" val="SMDATA_16_yvWgZxMAAAAlAAAAZAAAAA8BAAAAkAAAAEgAAACQAAAASAAAAAAAAAABAAAAAAAAAAEAAABQAAAAAAAAAAAA4D8AAAAAAADgPwAAAAAAAOA/AAAAAAAA4D8AAAAAAADgPwAAAAAAAOA/AAAAAAAA4D8AAAAAAADgPwAAAAAAAOA/AAAAAAAA4D8CAAAAjAAAAAAAAAAAAAAAu+DjDP///wgAAAAAAAAAAAAAAAAAAAAAAAAAAAAAAAAAAAAAZAAAAAEAAABAAAAAAAAAAAAAAAAAAAAAAAAAAAAAAAAAAAAAAAAAAAAAAAAAAAAAAAAAAAAAAAAAAAAAAAAAAAAAAAAAAAAAAAAAAAAAAAAAAAAAAAAAAAAAAAAAAAAAFAAAADwAAAAAAAAAAAAAAAAAAAkUAAAAAQAAABQAAAAUAAAAFAAAAAEAAAAAAAAAZAAAAGQAAAAAAAAAZAAAAGQAAAAVAAAAYAAAAAAAAAAAAAAADwAAACADAAAAAAAAAAAAAAEAAACgMgAAVgcAAKr4//8BAAAAf39/AAEAAABkAAAAAAAAABQAAABAHwAAAAAAACYAAAAAAAAAwOD//wAAAAAmAAAAZAAAABYAAABMAAAAAAAAAAAAAAAEAAAAAAAAAAEAAACAgIAKAAAAACgAAAAoAAAAZAAAAGQAAAAAAAAAzMzMAAAAAABQAAAAUAAAAGQAAABkAAAAAAAAABcAAAAUAAAAAAAAAAAAAAD/fwAA/38AAAAAAAAJAAAABAAAAHsAfAAeAAAAaAAAAAAAAAAAAAAAAAAAAAAAAAAAAAAAECcAABAnAAAAAAAAAAAAAAAAAAAAAAAAAAAAAAAAAAAAAAAAAAAAABQAAAAAAAAAwMD/AAAAAABkAAAAMgAAAAAAAABkAAAAAAAAAH9/fwAKAAAAIgAAABgAAAAAAAAAAAAAAAAAAAAAAAAAAAAAAAAAAAAkAAAAJAAAAAAAAAAHAAAAAAAAAAAAAAAAAAAAAAAAAAAAAAAAAAAAf39/ACUAAABYAAAAAAAAAAAAAAAAAAAAAAAAAAAAAAAAAAAAAAAAAAAAAAAAAAAAAAAAAAAAAAA/AAAAAAAAAKCGAQAAAAAAAAAAAAAAAAAMAAAAAQAAAAAAAAAAAAAAAAAAAB8AAABUAAAAAAAABQAAAAEAAAAAAAAAAAAAAAAAAAAAAAAAAAAAAAAAAAAAAAAAAAAAAAJ/f38AAAAAA8zMzADAwP8Af39/AAAAAAAAAAAAAAAAAAAAAAAAAAAAIQAAABgAAAAUAAAAwAMAALABAABARwAAuAgAABAAAAAmAAAACAAAAP//////////MAAAABQAAAAAAAAAAAD//wAAAQAAAP//AAABAA=="/>
+                <pr:smNativeData xmlns:pr="smNativeData" xmlns="smNativeData" val="SMDATA_16_D/2gZxMAAAAlAAAAZAAAAA8BAAAAkAAAAEgAAACQAAAASAAAAAAAAAABAAAAAAAAAAEAAABQAAAAAAAAAAAA4D8AAAAAAADgPwAAAAAAAOA/AAAAAAAA4D8AAAAAAADgPwAAAAAAAOA/AAAAAAAA4D8AAAAAAADgPwAAAAAAAOA/AAAAAAAA4D8CAAAAjAAAAAAAAAAAAAAAu+DjDP///wgAAAAAAAAAAAAAAAAAAAAAAAAAAAAAAAAAAAAAZAAAAAEAAABAAAAAAAAAAAAAAAAAAAAAAAAAAAAAAAAAAAAAAAAAAAAAAAAAAAAAAAAAAAAAAAAAAAAAAAAAAAAAAAAAAAAAAAAAAAAAAAAAAAAAAAAAAAAAAAAAAAAAFAAAADwAAAAAAAAAAAAAAAAAAAkUAAAAAQAAABQAAAAUAAAAFAAAAAEAAAAAAAAAZAAAAGQAAAAAAAAAZAAAAGQAAAAVAAAAYAAAAAAAAAAAAAAADwAAACADAAAAAAAAAAAAAAEAAACgMgAAVgcAAKr4//8BAAAAf39/AAEAAABkAAAAAAAAABQAAABAHwAAAAAAACYAAAAAAAAAwOD//wAAAAAmAAAAZAAAABYAAABMAAAAAAAAAAAAAAAEAAAAAAAAAAEAAACAgIAKAAAAACgAAAAoAAAAZAAAAGQAAAAAAAAAzMzMAAAAAABQAAAAUAAAAGQAAABkAAAAAAAAABcAAAAUAAAAAAAAAAAAAAD/fwAA/38AAAAAAAAJAAAABAAAAHsAfAAeAAAAaAAAAAAAAAAAAAAAAAAAAAAAAAAAAAAAECcAABAnAAAAAAAAAAAAAAAAAAAAAAAAAAAAAAAAAAAAAAAAAAAAABQAAAAAAAAAwMD/AAAAAABkAAAAMgAAAAAAAABkAAAAAAAAAH9/fwAKAAAAIgAAABgAAAAAAAAAAAAAAAAAAAAAAAAAAAAAAAAAAAAkAAAAJAAAAAAAAAAHAAAAAAAAAAAAAAAAAAAAAAAAAAAAAAAAAAAAf39/ACUAAABYAAAAAAAAAAAAAAAAAAAAAAAAAAAAAAAAAAAAAAAAAAAAAAAAAAAAAAAAAAAAAAA/AAAAAAAAAKCGAQAAAAAAAAAAAAAAAAAMAAAAAQAAAAAAAAAAAAAAAAAAAB8AAABUAAAAAAAABQAAAAEAAAAAAAAAAAAAAAAAAAAAAAAAAAAAAAAAAAAAAAAAAAAAAAJ/f38AAAAAA8zMzADAwP8Af39/AAAAAAAAAAAAAAAAAAAAAAAAAAAAIQAAABgAAAAUAAAAwAMAALABAABARwAAuAgAABAAAAAmAAAACAAAAP//////////MAAAABQAAAAAAAAAAAD//wAAAQAAAP//AAABAA=="/>
               </a:ext>
             </a:extLst>
           </p:cNvSpPr>
@@ -2836,7 +2836,7 @@
             <a:spLocks noGrp="1" noChangeArrowheads="1"/>
             <a:extLst>
               <a:ext uri="smNativeData">
-                <pr:smNativeData xmlns:pr="smNativeData" xmlns="smNativeData" val="SMDATA_16_yvWgZxMAAAAlAAAAZAAAAA8BAAAAkAAAAEgAAACQAAAASAAAAAAAAAAAAAAAAAAAAAEAAABQAAAAAAAAAAAA4D8AAAAAAADgPwAAAAAAAOA/AAAAAAAA4D8AAAAAAADgPwAAAAAAAOA/AAAAAAAA4D8AAAAAAADgPwAAAAAAAOA/AAAAAAAA4D8CAAAAjAAAAAAAAAAAAAAAu+DjDP///wgAAAAAAAAAAAAAAAAAAAAAAAAAAAAAAAAAAAAAZAAAAAEAAABAAAAAAAAAAAAAAAAAAAAAAAAAAAAAAAAAAAAAAAAAAAAAAAAAAAAAAAAAAAAAAAAAAAAAAAAAAAAAAAAAAAAAAAAAAAAAAAAAAAAAAAAAAAAAAAAAAAAAFAAAADwAAAAAAAAAAAAAAAAAAAkUAAAAAQAAABQAAAAUAAAAFAAAAAEAAAAAAAAAZAAAAGQAAAAAAAAAZAAAAGQAAAAVAAAAYAAAAAAAAAAAAAAADwAAACADAAAAAAAAAAAAAAEAAACgMgAAVgcAAKr4//8BAAAAf39/AAEAAABkAAAAAAAAABQAAABAHwAAAAAAACYAAAAAAAAAwOD//wAAAAAmAAAAZAAAABYAAABMAAAAAAAAAAAAAAAEAAAAAAAAAAEAAACAgIAKAAAAACgAAAAoAAAAZAAAAGQAAAAAAAAAzMzMAAAAAABQAAAAUAAAAGQAAABkAAAAAAAAABcAAAAUAAAAAAAAAAAAAAD/fwAA/38AAAAAAAAJAAAABAAAAHsAfAAeAAAAaAAAAAAAAAAAAAAAAAAAAAAAAAAAAAAAECcAABAnAAAAAAAAAAAAAAAAAAAAAAAAAAAAAAAAAAAAAAAAAAAAABQAAAAAAAAAwMD/AAAAAABkAAAAMgAAAAAAAABkAAAAAAAAAH9/fwAKAAAAIgAAABgAAAAAAAAAAAAAAAAAAAAAAAAAAAAAAAAAAAAkAAAAJAAAAAAAAAAHAAAAAAAAAAAAAAAAAAAAAAAAAAAAAAAAAAAAf39/ACUAAABYAAAAAAAAAAAAAAAAAAAAAAAAAAAAAAAAAAAAAAAAAAAAAAAAAAAAAAAAAAAAAAA/AAAAAAAAAKCGAQAAAAAAAAAAAAAAAAAMAAAAAQAAAAAAAAAAAAAAAAAAAB8AAABUAAAAAAAABQAAAAEAAAAAAAAAAAAAAAAAAAAAAAAAAAAAAAAAAAAAAAAAAAAAAAJ/f38AAAAAA8zMzADAwP8Af39/AAAAAAAAAAAAAAAAAAAAAAAAAAAAIQAAABgAAAAUAAAAwAMAANgJAABARwAAsCUAABAAAAAmAAAACAAAAP//////////MAAAABQAAAAAAAAAAAD//wAAAQAAAP//AAABAA=="/>
+                <pr:smNativeData xmlns:pr="smNativeData" xmlns="smNativeData" val="SMDATA_16_D/2gZxMAAAAlAAAAZAAAAA8BAAAAkAAAAEgAAACQAAAASAAAAAAAAAAAAAAAAAAAAAEAAABQAAAAAAAAAAAA4D8AAAAAAADgPwAAAAAAAOA/AAAAAAAA4D8AAAAAAADgPwAAAAAAAOA/AAAAAAAA4D8AAAAAAADgPwAAAAAAAOA/AAAAAAAA4D8CAAAAjAAAAAAAAAAAAAAAu+DjDP///wgAAAAAAAAAAAAAAAAAAAAAAAAAAAAAAAAAAAAAZAAAAAEAAABAAAAAAAAAAAAAAAAAAAAAAAAAAAAAAAAAAAAAAAAAAAAAAAAAAAAAAAAAAAAAAAAAAAAAAAAAAAAAAAAAAAAAAAAAAAAAAAAAAAAAAAAAAAAAAAAAAAAAFAAAADwAAAAAAAAAAAAAAAAAAAkUAAAAAQAAABQAAAAUAAAAFAAAAAEAAAAAAAAAZAAAAGQAAAAAAAAAZAAAAGQAAAAVAAAAYAAAAAAAAAAAAAAADwAAACADAAAAAAAAAAAAAAEAAACgMgAAVgcAAKr4//8BAAAAf39/AAEAAABkAAAAAAAAABQAAABAHwAAAAAAACYAAAAAAAAAwOD//wAAAAAmAAAAZAAAABYAAABMAAAAAAAAAAAAAAAEAAAAAAAAAAEAAACAgIAKAAAAACgAAAAoAAAAZAAAAGQAAAAAAAAAzMzMAAAAAABQAAAAUAAAAGQAAABkAAAAAAAAABcAAAAUAAAAAAAAAAAAAAD/fwAA/38AAAAAAAAJAAAABAAAAHsAfAAeAAAAaAAAAAAAAAAAAAAAAAAAAAAAAAAAAAAAECcAABAnAAAAAAAAAAAAAAAAAAAAAAAAAAAAAAAAAAAAAAAAAAAAABQAAAAAAAAAwMD/AAAAAABkAAAAMgAAAAAAAABkAAAAAAAAAH9/fwAKAAAAIgAAABgAAAAAAAAAAAAAAAAAAAAAAAAAAAAAAAAAAAAkAAAAJAAAAAAAAAAHAAAAAAAAAAAAAAAAAAAAAAAAAAAAAAAAAAAAf39/ACUAAABYAAAAAAAAAAAAAAAAAAAAAAAAAAAAAAAAAAAAAAAAAAAAAAAAAAAAAAAAAAAAAAA/AAAAAAAAAKCGAQAAAAAAAAAAAAAAAAAMAAAAAQAAAAAAAAAAAAAAAAAAAB8AAABUAAAAAAAABQAAAAEAAAAAAAAAAAAAAAAAAAAAAAAAAAAAAAAAAAAAAAAAAAAAAAJ/f38AAAAAA8zMzADAwP8Af39/AAAAAAAAAAAAAAAAAAAAAAAAAAAAIQAAABgAAAAUAAAAwAMAANgJAABARwAAsCUAABAAAAAmAAAACAAAAP//////////MAAAABQAAAAAAAAAAAD//wAAAQAAAP//AAABAA=="/>
               </a:ext>
             </a:extLst>
           </p:cNvSpPr>
@@ -2904,7 +2904,7 @@
             <a:spLocks noGrp="1" noChangeArrowheads="1"/>
             <a:extLst>
               <a:ext uri="smNativeData">
-                <pr:smNativeData xmlns:pr="smNativeData" xmlns="smNativeData" val="SMDATA_16_yvWgZxMAAAAlAAAAZAAAAA8BAAAAkAAAAEgAAACQAAAASAAAAAAAAAABAAAAAAAAAAEAAABQAAAAAAAAAAAA4D8AAAAAAADgPwAAAAAAAOA/AAAAAAAA4D8AAAAAAADgPwAAAAAAAOA/AAAAAAAA4D8AAAAAAADgPwAAAAAAAOA/AAAAAAAA4D8CAAAAjAAAAAAAAAAAAAAAu+DjDP///wgAAAAAAAAAAAAAAAAAAAAAAAAAAAAAAAAAAAAAZAAAAAEAAABAAAAAAAAAAAAAAAAAAAAAAAAAAAAAAAAAAAAAAAAAAAAAAAAAAAAAAAAAAAAAAAAAAAAAAAAAAAAAAAAAAAAAAAAAAAAAAAAAAAAAAAAAAAAAAAAAAAAAFAAAADwAAAAAAAAAAAAAAAAAAAkUAAAAAQAAABQAAAAUAAAAFAAAAAEAAAAAAAAAZAAAAGQAAAAAAAAAZAAAAGQAAAAVAAAAYAAAAAAAAAAAAAAADwAAACADAAAAAAAAAAAAAAEAAACgMgAAVgcAAKr4//8BAAAAf39/AAEAAABkAAAAAAAAABQAAABAHwAAAAAAACYAAAAAAAAAwOD//wAAAAAmAAAAZAAAABYAAABMAAAAAAAAAAAAAAAEAAAAAAAAAAEAAACAgIAKAAAAACgAAAAoAAAAZAAAAGQAAAAAAAAAzMzMAAAAAABQAAAAUAAAAGQAAABkAAAAAAAAABcAAAAUAAAAAAAAAAAAAAD/fwAA/38AAAAAAAAJAAAABAAAAHsAfAAeAAAAaAAAAAAAAAAAAAAAAAAAAAAAAAAAAAAAECcAABAnAAAAAAAAAAAAAAAAAAAAAAAAAAAAAAAAAAAAAAAAAAAAABQAAAAAAAAAwMD/AAAAAABkAAAAMgAAAAAAAABkAAAAAAAAAH9/fwAKAAAAIgAAABgAAAAAAAAAAAAAAAAAAAAAAAAAAAAAAAAAAAAkAAAAJAAAAAAAAAAHAAAAAAAAAAAAAAAAAAAAAAAAAAAAAAAAAAAAf39/ACUAAABYAAAAAAAAAAAAAAAAAAAAAAAAAAAAAAAAAAAAAAAAAAAAAAAAAAAAAAAAAAAAAAA/AAAAAAAAAKCGAQAAAAAAAAAAAAAAAAAMAAAAAQAAAAAAAAAAAAAAAAAAAB8AAABUAAAAAAAABQAAAAEAAAAAAAAAAAAAAAAAAAAAAAAAAAAAAAAAAAAAAAAAAAAAAAJ/f38AAAAAA8zMzADAwP8Af39/AAAAAAAAAAAAAAAAAAAAAAAAAAAAIQAAABgAAAAUAAAAwAMAABsnAAA/FQAAWSkAABAAAAAmAAAACAAAAP//////////MAAAABQAAAAAAAAAAAD//wAAAQAAAP//AAABAA=="/>
+                <pr:smNativeData xmlns:pr="smNativeData" xmlns="smNativeData" val="SMDATA_16_D/2gZxMAAAAlAAAAZAAAAA8BAAAAkAAAAEgAAACQAAAASAAAAAAAAAABAAAAAAAAAAEAAABQAAAAAAAAAAAA4D8AAAAAAADgPwAAAAAAAOA/AAAAAAAA4D8AAAAAAADgPwAAAAAAAOA/AAAAAAAA4D8AAAAAAADgPwAAAAAAAOA/AAAAAAAA4D8CAAAAjAAAAAAAAAAAAAAAu+DjDP///wgAAAAAAAAAAAAAAAAAAAAAAAAAAAAAAAAAAAAAZAAAAAEAAABAAAAAAAAAAAAAAAAAAAAAAAAAAAAAAAAAAAAAAAAAAAAAAAAAAAAAAAAAAAAAAAAAAAAAAAAAAAAAAAAAAAAAAAAAAAAAAAAAAAAAAAAAAAAAAAAAAAAAFAAAADwAAAAAAAAAAAAAAAAAAAkUAAAAAQAAABQAAAAUAAAAFAAAAAEAAAAAAAAAZAAAAGQAAAAAAAAAZAAAAGQAAAAVAAAAYAAAAAAAAAAAAAAADwAAACADAAAAAAAAAAAAAAEAAACgMgAAVgcAAKr4//8BAAAAf39/AAEAAABkAAAAAAAAABQAAABAHwAAAAAAACYAAAAAAAAAwOD//wAAAAAmAAAAZAAAABYAAABMAAAAAAAAAAAAAAAEAAAAAAAAAAEAAACAgIAKAAAAACgAAAAoAAAAZAAAAGQAAAAAAAAAzMzMAAAAAABQAAAAUAAAAGQAAABkAAAAAAAAABcAAAAUAAAAAAAAAAAAAAD/fwAA/38AAAAAAAAJAAAABAAAAHsAfAAeAAAAaAAAAAAAAAAAAAAAAAAAAAAAAAAAAAAAECcAABAnAAAAAAAAAAAAAAAAAAAAAAAAAAAAAAAAAAAAAAAAAAAAABQAAAAAAAAAwMD/AAAAAABkAAAAMgAAAAAAAABkAAAAAAAAAH9/fwAKAAAAIgAAABgAAAAAAAAAAAAAAAAAAAAAAAAAAAAAAAAAAAAkAAAAJAAAAAAAAAAHAAAAAAAAAAAAAAAAAAAAAAAAAAAAAAAAAAAAf39/ACUAAABYAAAAAAAAAAAAAAAAAAAAAAAAAAAAAAAAAAAAAAAAAAAAAAAAAAAAAAAAAAAAAAA/AAAAAAAAAKCGAQAAAAAAAAAAAAAAAAAMAAAAAQAAAAAAAAAAAAAAAAAAAB8AAABUAAAAAAAABQAAAAEAAAAAAAAAAAAAAAAAAAAAAAAAAAAAAAAAAAAAAAAAAAAAAAJ/f38AAAAAA8zMzADAwP8Af39/AAAAAAAAAAAAAAAAAAAAAAAAAAAAIQAAABgAAAAUAAAAwAMAABsnAAA/FQAAWSkAABAAAAAmAAAACAAAAP//////////MAAAABQAAAAAAAAAAAD//wAAAQAAAP//AAABAA=="/>
               </a:ext>
             </a:extLst>
           </p:cNvSpPr>
@@ -2939,7 +2939,7 @@
           </a:lstStyle>
           <a:p>
             <a:pPr/>
-            <a:fld id="{3D145E7F-31D0-41A8-9EAC-C7FD10E26892}" type="datetime1">
+            <a:fld id="{3DF9B420-6ED0-AC42-9E41-9817FA0F68CD}" type="datetime1">
               <a:t/>
             </a:fld>
           </a:p>
@@ -2952,7 +2952,7 @@
             <a:spLocks noGrp="1" noChangeArrowheads="1"/>
             <a:extLst>
               <a:ext uri="smNativeData">
-                <pr:smNativeData xmlns:pr="smNativeData" xmlns="smNativeData" val="SMDATA_16_yvWgZxMAAAAlAAAAZAAAAA8BAAAAkAAAAEgAAACQAAAASAAAAAAAAAABAAAAAAAAAAEAAABQAAAAAAAAAAAA4D8AAAAAAADgPwAAAAAAAOA/AAAAAAAA4D8AAAAAAADgPwAAAAAAAOA/AAAAAAAA4D8AAAAAAADgPwAAAAAAAOA/AAAAAAAA4D8CAAAAjAAAAAAAAAAAAAAAu+DjDP///wgAAAAAAAAAAAAAAAAAAAAAAAAAAAAAAAAAAAAAZAAAAAEAAABAAAAAAAAAAAAAAAAAAAAAAAAAAAAAAAAAAAAAAAAAAAAAAAAAAAAAAAAAAAAAAAAAAAAAAAAAAAAAAAAAAAAAAAAAAAAAAAAAAAAAAAAAAAAAAAAAAAAAFAAAADwAAAAAAAAAAAAAAAAAAAkUAAAAAQAAABQAAAAUAAAAFAAAAAEAAAAAAAAAZAAAAGQAAAAAAAAAZAAAAGQAAAAVAAAAYAAAAAAAAAAAAAAADwAAACADAAAAAAAAAAAAAAEAAACgMgAAVgcAAKr4//8BAAAAf39/AAEAAABkAAAAAAAAABQAAABAHwAAAAAAACYAAAAAAAAAwOD//wAAAAAmAAAAZAAAABYAAABMAAAAAAAAAAAAAAAEAAAAAAAAAAEAAACAgIAKAAAAACgAAAAoAAAAZAAAAGQAAAAAAAAAzMzMAAAAAABQAAAAUAAAAGQAAABkAAAAAAAAABcAAAAUAAAAAAAAAAAAAAD/fwAA/38AAAAAAAAJAAAABAAAAAAAAAAeAAAAaAAAAAAAAAAAAAAAAAAAAAAAAAAAAAAAECcAABAnAAAAAAAAAAAAAAAAAAAAAAAAAAAAAAAAAAAAAAAAAAAAABQAAAAAAAAAwMD/AAAAAABkAAAAMgAAAAAAAABkAAAAAAAAAH9/fwAKAAAAIgAAABgAAAAAAAAAAAAAAAAAAAAAAAAAAAAAAAAAAAAkAAAAJAAAAAAAAAAHAAAAAAAAAAAAAAAAAAAAAAAAAAAAAAAAAAAAf39/ACUAAABYAAAAAAAAAAAAAAAAAAAAAAAAAAAAAAAAAAAAAAAAAAAAAAAAAAAAAAAAAAAAAAA/AAAAAAAAAKCGAQAAAAAAAAAAAAAAAAAMAAAAAQAAAAAAAAAAAAAAAAAAAB8AAABUAAAAAAAABQAAAAEAAAAAAAAAAAAAAAAAAAAAAAAAAAAAAAAAAAAAAAAAAAAAAAJ/f38AAAAAA8zMzADAwP8Af39/AAAAAAAAAAAAAAAAAAAAAAAAAAAAIQAAABgAAAAUAAAAoRkAABsnAABfMQAAWSkAABAAAAAmAAAACAAAAP//////////MAAAABQAAAAAAAAAAAD//wAAAQAAAP//AAABAA=="/>
+                <pr:smNativeData xmlns:pr="smNativeData" xmlns="smNativeData" val="SMDATA_16_D/2gZxMAAAAlAAAAZAAAAA8BAAAAkAAAAEgAAACQAAAASAAAAAAAAAABAAAAAAAAAAEAAABQAAAAAAAAAAAA4D8AAAAAAADgPwAAAAAAAOA/AAAAAAAA4D8AAAAAAADgPwAAAAAAAOA/AAAAAAAA4D8AAAAAAADgPwAAAAAAAOA/AAAAAAAA4D8CAAAAjAAAAAAAAAAAAAAAu+DjDP///wgAAAAAAAAAAAAAAAAAAAAAAAAAAAAAAAAAAAAAZAAAAAEAAABAAAAAAAAAAAAAAAAAAAAAAAAAAAAAAAAAAAAAAAAAAAAAAAAAAAAAAAAAAAAAAAAAAAAAAAAAAAAAAAAAAAAAAAAAAAAAAAAAAAAAAAAAAAAAAAAAAAAAFAAAADwAAAAAAAAAAAAAAAAAAAkUAAAAAQAAABQAAAAUAAAAFAAAAAEAAAAAAAAAZAAAAGQAAAAAAAAAZAAAAGQAAAAVAAAAYAAAAAAAAAAAAAAADwAAACADAAAAAAAAAAAAAAEAAACgMgAAVgcAAKr4//8BAAAAf39/AAEAAABkAAAAAAAAABQAAABAHwAAAAAAACYAAAAAAAAAwOD//wAAAAAmAAAAZAAAABYAAABMAAAAAAAAAAAAAAAEAAAAAAAAAAEAAACAgIAKAAAAACgAAAAoAAAAZAAAAGQAAAAAAAAAzMzMAAAAAABQAAAAUAAAAGQAAABkAAAAAAAAABcAAAAUAAAAAAAAAAAAAAD/fwAA/38AAAAAAAAJAAAABAAAAAAAAAAeAAAAaAAAAAAAAAAAAAAAAAAAAAAAAAAAAAAAECcAABAnAAAAAAAAAAAAAAAAAAAAAAAAAAAAAAAAAAAAAAAAAAAAABQAAAAAAAAAwMD/AAAAAABkAAAAMgAAAAAAAABkAAAAAAAAAH9/fwAKAAAAIgAAABgAAAAAAAAAAAAAAAAAAAAAAAAAAAAAAAAAAAAkAAAAJAAAAAAAAAAHAAAAAAAAAAAAAAAAAAAAAAAAAAAAAAAAAAAAf39/ACUAAABYAAAAAAAAAAAAAAAAAAAAAAAAAAAAAAAAAAAAAAAAAAAAAAAAAAAAAAAAAAAAAAA/AAAAAAAAAKCGAQAAAAAAAAAAAAAAAAAMAAAAAQAAAAAAAAAAAAAAAAAAAB8AAABUAAAAAAAABQAAAAEAAAAAAAAAAAAAAAAAAAAAAAAAAAAAAAAAAAAAAAAAAAAAAAJ/f38AAAAAA8zMzADAwP8Af39/AAAAAAAAAAAAAAAAAAAAAAAAAAAAIQAAABgAAAAUAAAAoRkAABsnAABfMQAAWSkAABAAAAAmAAAACAAAAP//////////MAAAABQAAAAAAAAAAAD//wAAAQAAAP//AAABAA=="/>
               </a:ext>
             </a:extLst>
           </p:cNvSpPr>
@@ -2997,7 +2997,7 @@
             <a:spLocks noGrp="1" noChangeArrowheads="1"/>
             <a:extLst>
               <a:ext uri="smNativeData">
-                <pr:smNativeData xmlns:pr="smNativeData" xmlns="smNativeData" val="SMDATA_16_yvWgZxMAAAAlAAAAZAAAAA8BAAAAkAAAAEgAAACQAAAASAAAAAAAAAABAAAAAAAAAAEAAABQAAAAAAAAAAAA4D8AAAAAAADgPwAAAAAAAOA/AAAAAAAA4D8AAAAAAADgPwAAAAAAAOA/AAAAAAAA4D8AAAAAAADgPwAAAAAAAOA/AAAAAAAA4D8CAAAAjAAAAAAAAAAAAAAAu+DjDP///wgAAAAAAAAAAAAAAAAAAAAAAAAAAAAAAAAAAAAAZAAAAAEAAABAAAAAAAAAAAAAAAAAAAAAAAAAAAAAAAAAAAAAAAAAAAAAAAAAAAAAAAAAAAAAAAAAAAAAAAAAAAAAAAAAAAAAAAAAAAAAAAAAAAAAAAAAAAAAAAAAAAAAFAAAADwAAAAAAAAAAAAAAAAAAAkUAAAAAQAAABQAAAAUAAAAFAAAAAEAAAAAAAAAZAAAAGQAAAAAAAAAZAAAAGQAAAAVAAAAYAAAAAAAAAAAAAAADwAAACADAAAAAAAAAAAAAAEAAACgMgAAVgcAAKr4//8BAAAAf39/AAEAAABkAAAAAAAAABQAAABAHwAAAAAAACYAAAAAAAAAwOD//wAAAAAmAAAAZAAAABYAAABMAAAAAAAAAAAAAAAEAAAAAAAAAAEAAACAgIAKAAAAACgAAAAoAAAAZAAAAGQAAAAAAAAAzMzMAAAAAABQAAAAUAAAAGQAAABkAAAAAAAAABcAAAAUAAAAAAAAAAAAAAD/fwAA/38AAAAAAAAJAAAABAAAAP////8eAAAAaAAAAAAAAAAAAAAAAAAAAAAAAAAAAAAAECcAABAnAAAAAAAAAAAAAAAAAAAAAAAAAAAAAAAAAAAAAAAAAAAAABQAAAAAAAAAwMD/AAAAAABkAAAAMgAAAAAAAABkAAAAAAAAAH9/fwAKAAAAIgAAABgAAAAAAAAAAAAAAAAAAAAAAAAAAAAAAAAAAAAkAAAAJAAAAAAAAAAHAAAAAAAAAAAAAAAAAAAAAAAAAAAAAAAAAAAAf39/ACUAAABYAAAAAAAAAAAAAAAAAAAAAAAAAAAAAAAAAAAAAAAAAAAAAAAAAAAAAAAAAAAAAAA/AAAAAAAAAKCGAQAAAAAAAAAAAAAAAAAMAAAAAQAAAAAAAAAAAAAAAAAAAB8AAABUAAAAAAAABQAAAAEAAAAAAAAAAAAAAAAAAAAAAAAAAAAAAAAAAAAAAAAAAAAAAAJ/f38AAAAAA8zMzADAwP8Af39/AAAAAAAAAAAAAAAAAAAAAAAAAAAAIQAAABgAAAAUAAAAwTUAABsnAABARwAAWSkAABAAAAAmAAAACAAAAP//////////MAAAABQAAAAAAAAAAAD//wAAAQAAAP//AAABAA=="/>
+                <pr:smNativeData xmlns:pr="smNativeData" xmlns="smNativeData" val="SMDATA_16_D/2gZxMAAAAlAAAAZAAAAA8BAAAAkAAAAEgAAACQAAAASAAAAAAAAAABAAAAAAAAAAEAAABQAAAAAAAAAAAA4D8AAAAAAADgPwAAAAAAAOA/AAAAAAAA4D8AAAAAAADgPwAAAAAAAOA/AAAAAAAA4D8AAAAAAADgPwAAAAAAAOA/AAAAAAAA4D8CAAAAjAAAAAAAAAAAAAAAu+DjDP///wgAAAAAAAAAAAAAAAAAAAAAAAAAAAAAAAAAAAAAZAAAAAEAAABAAAAAAAAAAAAAAAAAAAAAAAAAAAAAAAAAAAAAAAAAAAAAAAAAAAAAAAAAAAAAAAAAAAAAAAAAAAAAAAAAAAAAAAAAAAAAAAAAAAAAAAAAAAAAAAAAAAAAFAAAADwAAAAAAAAAAAAAAAAAAAkUAAAAAQAAABQAAAAUAAAAFAAAAAEAAAAAAAAAZAAAAGQAAAAAAAAAZAAAAGQAAAAVAAAAYAAAAAAAAAAAAAAADwAAACADAAAAAAAAAAAAAAEAAACgMgAAVgcAAKr4//8BAAAAf39/AAEAAABkAAAAAAAAABQAAABAHwAAAAAAACYAAAAAAAAAwOD//wAAAAAmAAAAZAAAABYAAABMAAAAAAAAAAAAAAAEAAAAAAAAAAEAAACAgIAKAAAAACgAAAAoAAAAZAAAAGQAAAAAAAAAzMzMAAAAAABQAAAAUAAAAGQAAABkAAAAAAAAABcAAAAUAAAAAAAAAAAAAAD/fwAA/38AAAAAAAAJAAAABAAAAP////8eAAAAaAAAAAAAAAAAAAAAAAAAAAAAAAAAAAAAECcAABAnAAAAAAAAAAAAAAAAAAAAAAAAAAAAAAAAAAAAAAAAAAAAABQAAAAAAAAAwMD/AAAAAABkAAAAMgAAAAAAAABkAAAAAAAAAH9/fwAKAAAAIgAAABgAAAAAAAAAAAAAAAAAAAAAAAAAAAAAAAAAAAAkAAAAJAAAAAAAAAAHAAAAAAAAAAAAAAAAAAAAAAAAAAAAAAAAAAAAf39/ACUAAABYAAAAAAAAAAAAAAAAAAAAAAAAAAAAAAAAAAAAAAAAAAAAAAAAAAAAAAAAAAAAAAA/AAAAAAAAAKCGAQAAAAAAAAAAAAAAAAAMAAAAAQAAAAAAAAAAAAAAAAAAAB8AAABUAAAAAAAABQAAAAEAAAAAAAAAAAAAAAAAAAAAAAAAAAAAAAAAAAAAAAAAAAAAAAJ/f38AAAAAA8zMzADAwP8Af39/AAAAAAAAAAAAAAAAAAAAAAAAAAAAIQAAABgAAAAUAAAAwTUAABsnAABARwAAWSkAABAAAAAmAAAACAAAAP//////////MAAAABQAAAAAAAAAAAD//wAAAQAAAP//AAABAA=="/>
               </a:ext>
             </a:extLst>
           </p:cNvSpPr>
@@ -3032,7 +3032,7 @@
           </a:lstStyle>
           <a:p>
             <a:pPr/>
-            <a:fld id="{3D141F65-2BD0-41E9-9EAC-DDBC51E26888}" type="slidenum">
+            <a:fld id="{3DF9F21D-53D0-AC04-9E41-A551BC0F68F0}" type="slidenum">
               <a:t/>
             </a:fld>
           </a:p>
@@ -3711,7 +3711,7 @@
             <a:spLocks noGrp="1" noChangeArrowheads="1"/>
             <a:extLst>
               <a:ext uri="smNativeData">
-                <pr:smNativeData xmlns:pr="smNativeData" xmlns="smNativeData" val="SMDATA_16_yvWgZxMAAAAlAAAAZAAAAA8BAAAAkAAAAEgAAACQAAAASAAAAAAAAAABAAAAAAAAAAEAAABQAAAAAAAAAAAA4D8AAAAAAADgPwAAAAAAAOA/AAAAAAAA4D8AAAAAAADgPwAAAAAAAOA/AAAAAAAA4D8AAAAAAADgPwAAAAAAAOA/AAAAAAAA4D8CAAAAjAAAAAAAAAAAAAAAu+DjDP///wgAAAAAAAAAAAAAAAAAAAAAAAAAAAAAAAAAAAAAZAAAAAEAAABAAAAAAAAAAAAAAAAAAAAAAAAAAAAAAAAAAAAAAAAAAAAAAAAAAAAAAAAAAAAAAAAAAAAAAAAAAAAAAAAAAAAAAAAAAAAAAAAAAAAAAAAAAAAAAAAAAAAAFAAAADwAAAAAAAAAAAAAAAAAAAkUAAAAAQAAABQAAAAUAAAAFAAAAAEAAAAAAAAAZAAAAGQAAAAAAAAAZAAAAGQAAAAVAAAAYAAAAAAAAAAAAAAADwAAACADAAAAAAAAAAAAAAEAAACgMgAAVgcAAKr4//8BAAAAf39/AAEAAABkAAAAAAAAABQAAABAHwAAAAAAACYAAAAAAAAAwOD//wAAAAAmAAAAZAAAABYAAABMAAAAAAAAAAAAAAAEAAAAAAAAAAEAAACAgIAKAAAAACgAAAAoAAAAZAAAAGQAAAAAAAAAzMzMAAAAAABQAAAAUAAAAGQAAABkAAAAAAAAABcAAAAUAAAAAAAAAAAAAAD/fwAA/38AAAAAAAAJAAAABAAAAAAAAAAeAAAAaAAAAAAAAAAAAAAAAAAAAAAAAAAAAAAAECcAABAnAAAAAAAAAAAAAAAAAAAAAAAAAAAAAAAAAAAAAAAAAAAAABQAAAAAAAAAwMD/AAAAAABkAAAAMgAAAAAAAABkAAAAAAAAAH9/fwAKAAAAIgAAABgAAAAAAAAAAAAAAAAAAAAAAAAAAAAAAAAAAAAkAAAAJAAAAAAAAAAHAAAAAAAAAAAAAAAAAAAAAAAAAAAAAAAAAAAAf39/ACUAAABYAAAAAAAAAAAAAAAAAAAAAAAAAAAAAAAAAAAAAAAAAAAAAAAAAAAAAAAAAAAAAAA/AAAAAAAAAKCGAQAAAAAAAAAAAAAAAAAMAAAAAQAAAAAAAAAAAAAAAAAAAB8AAABUAAAAAAAABQAAAAEAAAAAAAAAAAAAAAAAAAAAAAAAAAAAAAAAAAAAAAAAAAAAAAJ/f38AAAAAA8zMzADAwP8Af39/AAAAAAAAAAAAAAAAAAAAAAAAAAAAIQAAABgAAAAUAAAAwAMAALABAABARwAAuAgAABAAAAAmAAAACAAAAAAAAAAAAAAAMAAAABQAAAAAAAAAAAD//wAAAQAAAP//AAABAA=="/>
+                <pr:smNativeData xmlns:pr="smNativeData" xmlns="smNativeData" val="SMDATA_16_D/2gZxMAAAAlAAAAZAAAAA8BAAAAkAAAAEgAAACQAAAASAAAAAAAAAABAAAAAAAAAAEAAABQAAAAAAAAAAAA4D8AAAAAAADgPwAAAAAAAOA/AAAAAAAA4D8AAAAAAADgPwAAAAAAAOA/AAAAAAAA4D8AAAAAAADgPwAAAAAAAOA/AAAAAAAA4D8CAAAAjAAAAAAAAAAAAAAAu+DjDP///wgAAAAAAAAAAAAAAAAAAAAAAAAAAAAAAAAAAAAAZAAAAAEAAABAAAAAAAAAAAAAAAAAAAAAAAAAAAAAAAAAAAAAAAAAAAAAAAAAAAAAAAAAAAAAAAAAAAAAAAAAAAAAAAAAAAAAAAAAAAAAAAAAAAAAAAAAAAAAAAAAAAAAFAAAADwAAAAAAAAAAAAAAAAAAAkUAAAAAQAAABQAAAAUAAAAFAAAAAEAAAAAAAAAZAAAAGQAAAAAAAAAZAAAAGQAAAAVAAAAYAAAAAAAAAAAAAAADwAAACADAAAAAAAAAAAAAAEAAACgMgAAVgcAAKr4//8BAAAAf39/AAEAAABkAAAAAAAAABQAAABAHwAAAAAAACYAAAAAAAAAwOD//wAAAAAmAAAAZAAAABYAAABMAAAAAAAAAAAAAAAEAAAAAAAAAAEAAACAgIAKAAAAACgAAAAoAAAAZAAAAGQAAAAAAAAAzMzMAAAAAABQAAAAUAAAAGQAAABkAAAAAAAAABcAAAAUAAAAAAAAAAAAAAD/fwAA/38AAAAAAAAJAAAABAAAAAAAAAAeAAAAaAAAAAAAAAAAAAAAAAAAAAAAAAAAAAAAECcAABAnAAAAAAAAAAAAAAAAAAAAAAAAAAAAAAAAAAAAAAAAAAAAABQAAAAAAAAAwMD/AAAAAABkAAAAMgAAAAAAAABkAAAAAAAAAH9/fwAKAAAAIgAAABgAAAAAAAAAAAAAAAAAAAAAAAAAAAAAAAAAAAAkAAAAJAAAAAAAAAAHAAAAAAAAAAAAAAAAAAAAAAAAAAAAAAAAAAAAf39/ACUAAABYAAAAAAAAAAAAAAAAAAAAAAAAAAAAAAAAAAAAAAAAAAAAAAAAAAAAAAAAAAAAAAA/AAAAAAAAAKCGAQAAAAAAAAAAAAAAAAAMAAAAAQAAAAAAAAAAAAAAAAAAAB8AAABUAAAAAAAABQAAAAEAAAAAAAAAAAAAAAAAAAAAAAAAAAAAAAAAAAAAAAAAAAAAAAJ/f38AAAAAA8zMzADAwP8Af39/AAAAAAAAAAAAAAAAAAAAAAAAAAAAIQAAABgAAAAUAAAAwAMAALABAABARwAAuAgAABAAAAAmAAAACAAAAAAAAAAAAAAAMAAAABQAAAAAAAAAAAD//wAAAQAAAP//AAABAA=="/>
               </a:ext>
             </a:extLst>
           </p:cNvSpPr>
@@ -3738,7 +3738,7 @@
             <a:spLocks noGrp="1" noChangeArrowheads="1"/>
             <a:extLst>
               <a:ext uri="smNativeData">
-                <pr:smNativeData xmlns:pr="smNativeData" xmlns="smNativeData" val="SMDATA_16_yvWgZxMAAAAlAAAAZAAAAA8BAAAAkAAAAEgAAACQAAAASAAAAAAAAAAAAAAAAAAAAAEAAABQAAAAAAAAAAAA4D8AAAAAAADgPwAAAAAAAOA/AAAAAAAA4D8AAAAAAADgPwAAAAAAAOA/AAAAAAAA4D8AAAAAAADgPwAAAAAAAOA/AAAAAAAA4D8CAAAAjAAAAAAAAAAAAAAAu+DjDP///wgAAAAAAAAAAAAAAAAAAAAAAAAAAAAAAAAAAAAAZAAAAAEAAABAAAAAAAAAAAAAAAAAAAAAAAAAAAAAAAAAAAAAAAAAAAAAAAAAAAAAAAAAAAAAAAAAAAAAAAAAAAAAAAAAAAAAAAAAAAAAAAAAAAAAAAAAAAAAAAAAAAAAFAAAADwAAAAAAAAAAAAAAAAAAAkUAAAAAQAAABQAAAAUAAAAFAAAAAEAAAAAAAAAZAAAAGQAAAAAAAAAZAAAAGQAAAAVAAAAYAAAAAAAAAAAAAAADwAAACADAAAAAAAAAAAAAAEAAACgMgAAVgcAAKr4//8BAAAAf39/AAEAAABkAAAAAAAAABQAAABAHwAAAAAAACYAAAAAAAAAwOD//wAAAAAmAAAAZAAAABYAAABMAAAAAAAAAAAAAAAEAAAAAAAAAAEAAACAgIAKAAAAACgAAAAoAAAAZAAAAGQAAAAAAAAAzMzMAAAAAABQAAAAUAAAAGQAAABkAAAAAAAAABcAAAAUAAAAAAAAAAAAAAD/fwAA/38AAAAAAAAJAAAABAAAAAAAAAAeAAAAaAAAAAAAAAAAAAAAAAAAAAAAAAAAAAAAECcAABAnAAAAAAAAAAAAAAAAAAAAAAAAAAAAAAAAAAAAAAAAAAAAABQAAAAAAAAAwMD/AAAAAABkAAAAMgAAAAAAAABkAAAAAAAAAH9/fwAKAAAAIgAAABgAAAAAAAAAAAAAAAAAAAAAAAAAAAAAAAAAAAAkAAAAJAAAAAAAAAAHAAAAAAAAAAAAAAAAAAAAAAAAAAAAAAAAAAAAf39/ACUAAABYAAAAAAAAAAAAAAAAAAAAAAAAAAAAAAAAAAAAAAAAAAAAAAAAAAAAAAAAAAAAAAA/AAAAAAAAAKCGAQAAAAAAAAAAAAAAAAAMAAAAAQAAAAAAAAAAAAAAAAAAAB8AAABUAAAAAAAABQAAAAEAAAAAAAAAAAAAAAAAAAAAAAAAAAAAAAAAAAAAAAAAAAAAAAJ/f38AAAAAA8zMzADAwP8Af39/AAAAAAAAAAAAAAAAAAAAAAAAAAAAIQAAABgAAAAUAAAAwAMAANgJAABARwAAsCUAABAAAAAmAAAACAAAAAAAAAAAAAAAMAAAABQAAAAAAAAAAAD//wAAAQAAAP//AAABAA=="/>
+                <pr:smNativeData xmlns:pr="smNativeData" xmlns="smNativeData" val="SMDATA_16_D/2gZxMAAAAlAAAAZAAAAA8BAAAAkAAAAEgAAACQAAAASAAAAAAAAAAAAAAAAAAAAAEAAABQAAAAAAAAAAAA4D8AAAAAAADgPwAAAAAAAOA/AAAAAAAA4D8AAAAAAADgPwAAAAAAAOA/AAAAAAAA4D8AAAAAAADgPwAAAAAAAOA/AAAAAAAA4D8CAAAAjAAAAAAAAAAAAAAAu+DjDP///wgAAAAAAAAAAAAAAAAAAAAAAAAAAAAAAAAAAAAAZAAAAAEAAABAAAAAAAAAAAAAAAAAAAAAAAAAAAAAAAAAAAAAAAAAAAAAAAAAAAAAAAAAAAAAAAAAAAAAAAAAAAAAAAAAAAAAAAAAAAAAAAAAAAAAAAAAAAAAAAAAAAAAFAAAADwAAAAAAAAAAAAAAAAAAAkUAAAAAQAAABQAAAAUAAAAFAAAAAEAAAAAAAAAZAAAAGQAAAAAAAAAZAAAAGQAAAAVAAAAYAAAAAAAAAAAAAAADwAAACADAAAAAAAAAAAAAAEAAACgMgAAVgcAAKr4//8BAAAAf39/AAEAAABkAAAAAAAAABQAAABAHwAAAAAAACYAAAAAAAAAwOD//wAAAAAmAAAAZAAAABYAAABMAAAAAAAAAAAAAAAEAAAAAAAAAAEAAACAgIAKAAAAACgAAAAoAAAAZAAAAGQAAAAAAAAAzMzMAAAAAABQAAAAUAAAAGQAAABkAAAAAAAAABcAAAAUAAAAAAAAAAAAAAD/fwAA/38AAAAAAAAJAAAABAAAAAAAAAAeAAAAaAAAAAAAAAAAAAAAAAAAAAAAAAAAAAAAECcAABAnAAAAAAAAAAAAAAAAAAAAAAAAAAAAAAAAAAAAAAAAAAAAABQAAAAAAAAAwMD/AAAAAABkAAAAMgAAAAAAAABkAAAAAAAAAH9/fwAKAAAAIgAAABgAAAAAAAAAAAAAAAAAAAAAAAAAAAAAAAAAAAAkAAAAJAAAAAAAAAAHAAAAAAAAAAAAAAAAAAAAAAAAAAAAAAAAAAAAf39/ACUAAABYAAAAAAAAAAAAAAAAAAAAAAAAAAAAAAAAAAAAAAAAAAAAAAAAAAAAAAAAAAAAAAA/AAAAAAAAAKCGAQAAAAAAAAAAAAAAAAAMAAAAAQAAAAAAAAAAAAAAAAAAAB8AAABUAAAAAAAABQAAAAEAAAAAAAAAAAAAAAAAAAAAAAAAAAAAAAAAAAAAAAAAAAAAAAJ/f38AAAAAA8zMzADAwP8Af39/AAAAAAAAAAAAAAAAAAAAAAAAAAAAIQAAABgAAAAUAAAAwAMAANgJAABARwAAsCUAABAAAAAmAAAACAAAAAAAAAAAAAAAMAAAABQAAAAAAAAAAAD//wAAAQAAAP//AAABAA=="/>
               </a:ext>
             </a:extLst>
           </p:cNvSpPr>
@@ -3799,7 +3799,7 @@
             <a:spLocks noGrp="1" noChangeArrowheads="1"/>
             <a:extLst>
               <a:ext uri="smNativeData">
-                <pr:smNativeData xmlns:pr="smNativeData" xmlns="smNativeData" val="SMDATA_16_yvWgZxMAAAAlAAAAZAAAAA8BAAAAkAAAAEgAAACQAAAASAAAAAAAAAABAAAAAAAAAAEAAABQAAAAAAAAAAAA4D8AAAAAAADgPwAAAAAAAOA/AAAAAAAA4D8AAAAAAADgPwAAAAAAAOA/AAAAAAAA4D8AAAAAAADgPwAAAAAAAOA/AAAAAAAA4D8CAAAAjAAAAAAAAAAAAAAAu+DjDP///wgAAAAAAAAAAAAAAAAAAAAAAAAAAAAAAAAAAAAAZAAAAAEAAABAAAAAAAAAAAAAAAAAAAAAAAAAAAAAAAAAAAAAAAAAAAAAAAAAAAAAAAAAAAAAAAAAAAAAAAAAAAAAAAAAAAAAAAAAAAAAAAAAAAAAAAAAAAAAAAAAAAAAFAAAADwAAAAAAAAAAAAAAAAAAAkUAAAAAQAAABQAAAAUAAAAFAAAAAEAAAAAAAAAZAAAAGQAAAAAAAAAZAAAAGQAAAAVAAAAYAAAAAAAAAAAAAAADwAAACADAAAAAAAAAAAAAAEAAACgMgAAVgcAAKr4//8BAAAAf39/AAEAAABkAAAAAAAAABQAAABAHwAAAAAAACYAAAAAAAAAwOD//wAAAAAmAAAAZAAAABYAAABMAAAAAAAAAAAAAAAEAAAAAAAAAAEAAACAgIAKAAAAACgAAAAoAAAAZAAAAGQAAAAAAAAAzMzMAAAAAABQAAAAUAAAAGQAAABkAAAAAAAAABcAAAAUAAAAAAAAAAAAAAD/fwAA/38AAAAAAAAJAAAABAAAAAAAAAAeAAAAaAAAAAAAAAAAAAAAAAAAAAAAAAAAAAAAECcAABAnAAAAAAAAAAAAAAAAAAAAAAAAAAAAAAAAAAAAAAAAAAAAABQAAAAAAAAAwMD/AAAAAABkAAAAMgAAAAAAAABkAAAAAAAAAH9/fwAKAAAAIgAAABgAAAAAAAAAAAAAAAAAAAAAAAAAAAAAAAAAAAAkAAAAJAAAAAAAAAAHAAAAAAAAAAAAAAAAAAAAAAAAAAAAAAAAAAAAf39/ACUAAABYAAAAAAAAAAAAAAAAAAAAAAAAAAAAAAAAAAAAAAAAAAAAAAAAAAAAAAAAAAAAAAA/AAAAAAAAAKCGAQAAAAAAAAAAAAAAAAAMAAAAAQAAAAAAAAAAAAAAAAAAAB8AAABUAAAAAAAABQAAAAEAAAAAAAAAAAAAAAAAAAAAAAAAAAAAAAAAAAAAAAAAAAAAAAJ/f38AAAAAA8zMzADAwP8Af39/AAAAAAAAAAAAAAAAAAAAAAAAAAAAIQAAABgAAAAUAAAAwAMAALABAABARwAAuAgAABAAAAAmAAAACAAAAAAAAAAAAAAAMAAAABQAAAAAAAAAAAD//wAAAQAAAP//AAABAA=="/>
+                <pr:smNativeData xmlns:pr="smNativeData" xmlns="smNativeData" val="SMDATA_16_D/2gZxMAAAAlAAAAZAAAAA8BAAAAkAAAAEgAAACQAAAASAAAAAAAAAABAAAAAAAAAAEAAABQAAAAAAAAAAAA4D8AAAAAAADgPwAAAAAAAOA/AAAAAAAA4D8AAAAAAADgPwAAAAAAAOA/AAAAAAAA4D8AAAAAAADgPwAAAAAAAOA/AAAAAAAA4D8CAAAAjAAAAAAAAAAAAAAAu+DjDP///wgAAAAAAAAAAAAAAAAAAAAAAAAAAAAAAAAAAAAAZAAAAAEAAABAAAAAAAAAAAAAAAAAAAAAAAAAAAAAAAAAAAAAAAAAAAAAAAAAAAAAAAAAAAAAAAAAAAAAAAAAAAAAAAAAAAAAAAAAAAAAAAAAAAAAAAAAAAAAAAAAAAAAFAAAADwAAAAAAAAAAAAAAAAAAAkUAAAAAQAAABQAAAAUAAAAFAAAAAEAAAAAAAAAZAAAAGQAAAAAAAAAZAAAAGQAAAAVAAAAYAAAAAAAAAAAAAAADwAAACADAAAAAAAAAAAAAAEAAACgMgAAVgcAAKr4//8BAAAAf39/AAEAAABkAAAAAAAAABQAAABAHwAAAAAAACYAAAAAAAAAwOD//wAAAAAmAAAAZAAAABYAAABMAAAAAAAAAAAAAAAEAAAAAAAAAAEAAACAgIAKAAAAACgAAAAoAAAAZAAAAGQAAAAAAAAAzMzMAAAAAABQAAAAUAAAAGQAAABkAAAAAAAAABcAAAAUAAAAAAAAAAAAAAD/fwAA/38AAAAAAAAJAAAABAAAAAAAAAAeAAAAaAAAAAAAAAAAAAAAAAAAAAAAAAAAAAAAECcAABAnAAAAAAAAAAAAAAAAAAAAAAAAAAAAAAAAAAAAAAAAAAAAABQAAAAAAAAAwMD/AAAAAABkAAAAMgAAAAAAAABkAAAAAAAAAH9/fwAKAAAAIgAAABgAAAAAAAAAAAAAAAAAAAAAAAAAAAAAAAAAAAAkAAAAJAAAAAAAAAAHAAAAAAAAAAAAAAAAAAAAAAAAAAAAAAAAAAAAf39/ACUAAABYAAAAAAAAAAAAAAAAAAAAAAAAAAAAAAAAAAAAAAAAAAAAAAAAAAAAAAAAAAAAAAA/AAAAAAAAAKCGAQAAAAAAAAAAAAAAAAAMAAAAAQAAAAAAAAAAAAAAAAAAAB8AAABUAAAAAAAABQAAAAEAAAAAAAAAAAAAAAAAAAAAAAAAAAAAAAAAAAAAAAAAAAAAAAJ/f38AAAAAA8zMzADAwP8Af39/AAAAAAAAAAAAAAAAAAAAAAAAAAAAIQAAABgAAAAUAAAAwAMAALABAABARwAAuAgAABAAAAAmAAAACAAAAAAAAAAAAAAAMAAAABQAAAAAAAAAAAD//wAAAQAAAP//AAABAA=="/>
               </a:ext>
             </a:extLst>
           </p:cNvSpPr>
@@ -3828,7 +3828,7 @@
             <a:spLocks noGrp="1" noChangeArrowheads="1"/>
             <a:extLst>
               <a:ext uri="smNativeData">
-                <pr:smNativeData xmlns:pr="smNativeData" xmlns="smNativeData" val="SMDATA_16_yvWgZxMAAAAlAAAAZAAAAA8BAAAAkAAAAEgAAACQAAAASAAAAAAAAAAAAAAAAAAAAAEAAABQAAAAAAAAAAAA4D8AAAAAAADgPwAAAAAAAOA/AAAAAAAA4D8AAAAAAADgPwAAAAAAAOA/AAAAAAAA4D8AAAAAAADgPwAAAAAAAOA/AAAAAAAA4D8CAAAAjAAAAAAAAAAAAAAAu+DjDP///wgAAAAAAAAAAAAAAAAAAAAAAAAAAAAAAAAAAAAAZAAAAAEAAABAAAAAAAAAAAAAAAAAAAAAAAAAAAAAAAAAAAAAAAAAAAAAAAAAAAAAAAAAAAAAAAAAAAAAAAAAAAAAAAAAAAAAAAAAAAAAAAAAAAAAAAAAAAAAAAAAAAAAFAAAADwAAAAAAAAAAAAAAAAAAAkUAAAAAQAAABQAAAAUAAAAFAAAAAEAAAAAAAAAZAAAAGQAAAAAAAAAZAAAAGQAAAAVAAAAYAAAAAAAAAAAAAAADwAAACADAAAAAAAAAAAAAAEAAACgMgAAVgcAAKr4//8BAAAAf39/AAEAAABkAAAAAAAAABQAAABAHwAAAAAAACYAAAAAAAAAwOD//wAAAAAmAAAAZAAAABYAAABMAAAAAAAAAAAAAAAEAAAAAAAAAAEAAACAgIAKAAAAACgAAAAoAAAAZAAAAGQAAAAAAAAAzMzMAAAAAABQAAAAUAAAAGQAAABkAAAAAAAAABcAAAAUAAAAAAAAAAAAAAD/fwAA/38AAAAAAAAJAAAABAAAAAAAAAAeAAAAaAAAAAAAAAAAAAAAAAAAAAAAAAAAAAAAECcAABAnAAAAAAAAAAAAAAAAAAAAAAAAAAAAAAAAAAAAAAAAAAAAABQAAAAAAAAAwMD/AAAAAABkAAAAMgAAAAAAAABkAAAAAAAAAH9/fwAKAAAAIgAAABgAAAAAAAAAAAAAAAAAAAAAAAAAAAAAAAAAAAAkAAAAJAAAAAAAAAAHAAAAAAAAAAAAAAAAAAAAAAAAAAAAAAAAAAAAf39/ACUAAABYAAAAAAAAAAAAAAAAAAAAAAAAAAAAAAAAAAAAAAAAAAAAAAAAAAAAAAAAAAAAAAA/AAAAAAAAAKCGAQAAAAAAAAAAAAAAAAAMAAAAAQAAAAAAAAAAAAAAAAAAAB8AAABUAAAAAAAABQAAAAEAAAAAAAAAAAAAAAAAAAAAAAAAAAAAAAAAAAAAAAAAAAAAAAJ/f38AAAAAA8zMzADAwP8Af39/AAAAAAAAAAAAAAAAAAAAAAAAAAAAIQAAABgAAAAUAAAAwAMAANgJAABARwAAsCUAABAAAAAmAAAACAAAAAAAAAAAAAAAMAAAABQAAAAAAAAAAAD//wAAAQAAAP//AAABAA=="/>
+                <pr:smNativeData xmlns:pr="smNativeData" xmlns="smNativeData" val="SMDATA_16_D/2gZxMAAAAlAAAAZAAAAA8BAAAAkAAAAEgAAACQAAAASAAAAAAAAAAAAAAAAAAAAAEAAABQAAAAAAAAAAAA4D8AAAAAAADgPwAAAAAAAOA/AAAAAAAA4D8AAAAAAADgPwAAAAAAAOA/AAAAAAAA4D8AAAAAAADgPwAAAAAAAOA/AAAAAAAA4D8CAAAAjAAAAAAAAAAAAAAAu+DjDP///wgAAAAAAAAAAAAAAAAAAAAAAAAAAAAAAAAAAAAAZAAAAAEAAABAAAAAAAAAAAAAAAAAAAAAAAAAAAAAAAAAAAAAAAAAAAAAAAAAAAAAAAAAAAAAAAAAAAAAAAAAAAAAAAAAAAAAAAAAAAAAAAAAAAAAAAAAAAAAAAAAAAAAFAAAADwAAAAAAAAAAAAAAAAAAAkUAAAAAQAAABQAAAAUAAAAFAAAAAEAAAAAAAAAZAAAAGQAAAAAAAAAZAAAAGQAAAAVAAAAYAAAAAAAAAAAAAAADwAAACADAAAAAAAAAAAAAAEAAACgMgAAVgcAAKr4//8BAAAAf39/AAEAAABkAAAAAAAAABQAAABAHwAAAAAAACYAAAAAAAAAwOD//wAAAAAmAAAAZAAAABYAAABMAAAAAAAAAAAAAAAEAAAAAAAAAAEAAACAgIAKAAAAACgAAAAoAAAAZAAAAGQAAAAAAAAAzMzMAAAAAABQAAAAUAAAAGQAAABkAAAAAAAAABcAAAAUAAAAAAAAAAAAAAD/fwAA/38AAAAAAAAJAAAABAAAAAAAAAAeAAAAaAAAAAAAAAAAAAAAAAAAAAAAAAAAAAAAECcAABAnAAAAAAAAAAAAAAAAAAAAAAAAAAAAAAAAAAAAAAAAAAAAABQAAAAAAAAAwMD/AAAAAABkAAAAMgAAAAAAAABkAAAAAAAAAH9/fwAKAAAAIgAAABgAAAAAAAAAAAAAAAAAAAAAAAAAAAAAAAAAAAAkAAAAJAAAAAAAAAAHAAAAAAAAAAAAAAAAAAAAAAAAAAAAAAAAAAAAf39/ACUAAABYAAAAAAAAAAAAAAAAAAAAAAAAAAAAAAAAAAAAAAAAAAAAAAAAAAAAAAAAAAAAAAA/AAAAAAAAAKCGAQAAAAAAAAAAAAAAAAAMAAAAAQAAAAAAAAAAAAAAAAAAAB8AAABUAAAAAAAABQAAAAEAAAAAAAAAAAAAAAAAAAAAAAAAAAAAAAAAAAAAAAAAAAAAAAJ/f38AAAAAA8zMzADAwP8Af39/AAAAAAAAAAAAAAAAAAAAAAAAAAAAIQAAABgAAAAUAAAAwAMAANgJAABARwAAsCUAABAAAAAmAAAACAAAAAAAAAAAAAAAMAAAABQAAAAAAAAAAAD//wAAAQAAAP//AAABAA=="/>
               </a:ext>
             </a:extLst>
           </p:cNvSpPr>
@@ -3923,7 +3923,7 @@
             <a:spLocks noGrp="1" noChangeArrowheads="1"/>
             <a:extLst>
               <a:ext uri="smNativeData">
-                <pr:smNativeData xmlns:pr="smNativeData" xmlns="smNativeData" val="SMDATA_16_yvWgZxMAAAAlAAAAZAAAAA8BAAAAkAAAAEgAAACQAAAASAAAAAAAAAABAAAAAAAAAAEAAABQAAAAAAAAAAAA4D8AAAAAAADgPwAAAAAAAOA/AAAAAAAA4D8AAAAAAADgPwAAAAAAAOA/AAAAAAAA4D8AAAAAAADgPwAAAAAAAOA/AAAAAAAA4D8CAAAAjAAAAAAAAAAAAAAAu+DjDP///wgAAAAAAAAAAAAAAAAAAAAAAAAAAAAAAAAAAAAAZAAAAAEAAABAAAAAAAAAAAAAAAAAAAAAAAAAAAAAAAAAAAAAAAAAAAAAAAAAAAAAAAAAAAAAAAAAAAAAAAAAAAAAAAAAAAAAAAAAAAAAAAAAAAAAAAAAAAAAAAAAAAAAFAAAADwAAAAAAAAAAAAAAAAAAAkUAAAAAQAAABQAAAAUAAAAFAAAAAEAAAAAAAAAZAAAAGQAAAAAAAAAZAAAAGQAAAAVAAAAYAAAAAAAAAAAAAAADwAAACADAAAAAAAAAAAAAAEAAACgMgAAVgcAAKr4//8BAAAAf39/AAEAAABkAAAAAAAAABQAAABAHwAAAAAAACYAAAAAAAAAwOD//wAAAAAmAAAAZAAAABYAAABMAAAAAAAAAAAAAAAEAAAAAAAAAAEAAACAgIAKAAAAACgAAAAoAAAAZAAAAGQAAAAAAAAAzMzMAAAAAABQAAAAUAAAAGQAAABkAAAAAAAAABcAAAAUAAAAAAAAAAAAAAD/fwAA/38AAAAAAAAJAAAABAAAAAAAAAAeAAAAaAAAAAAAAAAAAAAAAAAAAAAAAAAAAAAAECcAABAnAAAAAAAAAAAAAAAAAAAAAAAAAAAAAAAAAAAAAAAAAAAAABQAAAAAAAAAwMD/AAAAAABkAAAAMgAAAAAAAABkAAAAAAAAAH9/fwAKAAAAIgAAABgAAAAAAAAAAAAAAAAAAAAAAAAAAAAAAAAAAAAkAAAAJAAAAAAAAAAHAAAAAAAAAAAAAAAAAAAAAAAAAAAAAAAAAAAAf39/ACUAAABYAAAAAAAAAAAAAAAAAAAAAAAAAAAAAAAAAAAAAAAAAAAAAAAAAAAAAAAAAAAAAAA/AAAAAAAAAKCGAQAAAAAAAAAAAAAAAAAMAAAAAQAAAAAAAAAAAAAAAAAAAB8AAABUAAAAAAAABQAAAAEAAAAAAAAAAAAAAAAAAAAAAAAAAAAAAAAAAAAAAAAAAAAAAAJ/f38AAAAAA8zMzADAwP8Af39/AAAAAAAAAAAAAAAAAAAAAAAAAAAAIQAAABgAAAAUAAAAwAMAALABAABARwAAuAgAABAAAAAmAAAACAAAAAAAAAAAAAAAMAAAABQAAAAAAAAAAAD//wAAAQAAAP//AAABAA=="/>
+                <pr:smNativeData xmlns:pr="smNativeData" xmlns="smNativeData" val="SMDATA_16_D/2gZxMAAAAlAAAAZAAAAA8BAAAAkAAAAEgAAACQAAAASAAAAAAAAAABAAAAAAAAAAEAAABQAAAAAAAAAAAA4D8AAAAAAADgPwAAAAAAAOA/AAAAAAAA4D8AAAAAAADgPwAAAAAAAOA/AAAAAAAA4D8AAAAAAADgPwAAAAAAAOA/AAAAAAAA4D8CAAAAjAAAAAAAAAAAAAAAu+DjDP///wgAAAAAAAAAAAAAAAAAAAAAAAAAAAAAAAAAAAAAZAAAAAEAAABAAAAAAAAAAAAAAAAAAAAAAAAAAAAAAAAAAAAAAAAAAAAAAAAAAAAAAAAAAAAAAAAAAAAAAAAAAAAAAAAAAAAAAAAAAAAAAAAAAAAAAAAAAAAAAAAAAAAAFAAAADwAAAAAAAAAAAAAAAAAAAkUAAAAAQAAABQAAAAUAAAAFAAAAAEAAAAAAAAAZAAAAGQAAAAAAAAAZAAAAGQAAAAVAAAAYAAAAAAAAAAAAAAADwAAACADAAAAAAAAAAAAAAEAAACgMgAAVgcAAKr4//8BAAAAf39/AAEAAABkAAAAAAAAABQAAABAHwAAAAAAACYAAAAAAAAAwOD//wAAAAAmAAAAZAAAABYAAABMAAAAAAAAAAAAAAAEAAAAAAAAAAEAAACAgIAKAAAAACgAAAAoAAAAZAAAAGQAAAAAAAAAzMzMAAAAAABQAAAAUAAAAGQAAABkAAAAAAAAABcAAAAUAAAAAAAAAAAAAAD/fwAA/38AAAAAAAAJAAAABAAAAAAAAAAeAAAAaAAAAAAAAAAAAAAAAAAAAAAAAAAAAAAAECcAABAnAAAAAAAAAAAAAAAAAAAAAAAAAAAAAAAAAAAAAAAAAAAAABQAAAAAAAAAwMD/AAAAAABkAAAAMgAAAAAAAABkAAAAAAAAAH9/fwAKAAAAIgAAABgAAAAAAAAAAAAAAAAAAAAAAAAAAAAAAAAAAAAkAAAAJAAAAAAAAAAHAAAAAAAAAAAAAAAAAAAAAAAAAAAAAAAAAAAAf39/ACUAAABYAAAAAAAAAAAAAAAAAAAAAAAAAAAAAAAAAAAAAAAAAAAAAAAAAAAAAAAAAAAAAAA/AAAAAAAAAKCGAQAAAAAAAAAAAAAAAAAMAAAAAQAAAAAAAAAAAAAAAAAAAB8AAABUAAAAAAAABQAAAAEAAAAAAAAAAAAAAAAAAAAAAAAAAAAAAAAAAAAAAAAAAAAAAAJ/f38AAAAAA8zMzADAwP8Af39/AAAAAAAAAAAAAAAAAAAAAAAAAAAAIQAAABgAAAAUAAAAwAMAALABAABARwAAuAgAABAAAAAmAAAACAAAAAAAAAAAAAAAMAAAABQAAAAAAAAAAAD//wAAAQAAAP//AAABAA=="/>
               </a:ext>
             </a:extLst>
           </p:cNvSpPr>
@@ -3952,7 +3952,7 @@
             <a:spLocks noGrp="1" noChangeArrowheads="1"/>
             <a:extLst>
               <a:ext uri="smNativeData">
-                <pr:smNativeData xmlns:pr="smNativeData" xmlns="smNativeData" val="SMDATA_16_yvWgZxMAAAAlAAAAZAAAAA8BAAAAkAAAAEgAAACQAAAASAAAAAAAAAAAAAAAAAAAAAEAAABQAAAAAAAAAAAA4D8AAAAAAADgPwAAAAAAAOA/AAAAAAAA4D8AAAAAAADgPwAAAAAAAOA/AAAAAAAA4D8AAAAAAADgPwAAAAAAAOA/AAAAAAAA4D8CAAAAjAAAAAAAAAAAAAAAu+DjDP///wgAAAAAAAAAAAAAAAAAAAAAAAAAAAAAAAAAAAAAZAAAAAEAAABAAAAAAAAAAAAAAAAAAAAAAAAAAAAAAAAAAAAAAAAAAAAAAAAAAAAAAAAAAAAAAAAAAAAAAAAAAAAAAAAAAAAAAAAAAAAAAAAAAAAAAAAAAAAAAAAAAAAAFAAAADwAAAAAAAAAAAAAAAAAAAkUAAAAAQAAABQAAAAUAAAAFAAAAAEAAAAAAAAAZAAAAGQAAAAAAAAAZAAAAGQAAAAVAAAAYAAAAAAAAAAAAAAADwAAACADAAAAAAAAAAAAAAEAAACgMgAAVgcAAKr4//8BAAAAf39/AAEAAABkAAAAAAAAABQAAABAHwAAAAAAACYAAAAAAAAAwOD//wAAAAAmAAAAZAAAABYAAABMAAAAAAAAAAAAAAAEAAAAAAAAAAEAAACAgIAKAAAAACgAAAAoAAAAZAAAAGQAAAAAAAAAzMzMAAAAAABQAAAAUAAAAGQAAABkAAAAAAAAABcAAAAUAAAAAAAAAAAAAAD/fwAA/38AAAAAAAAJAAAABAAAAJQyrcweAAAAaAAAAAAAAAAAAAAAAAAAAAAAAAAAAAAAECcAABAnAAAAAAAAAAAAAAAAAAAAAAAAAAAAAAAAAAAAAAAAAAAAABQAAAAAAAAAwMD/AAAAAABkAAAAMgAAAAAAAABkAAAAAAAAAH9/fwAKAAAAIgAAABgAAAAAAAAAAAAAAAAAAAAAAAAAAAAAAAAAAAAkAAAAJAAAAAAAAAAHAAAAAAAAAAAAAAAAAAAAAAAAAAAAAAAAAAAAf39/ACUAAABYAAAAAAAAAAAAAAAAAAAAAAAAAAAAAAAAAAAAAAAAAAAAAAAAAAAAAAAAAAAAAAA/AAAAAAAAAKCGAQAAAAAAAAAAAAAAAAAMAAAAAQAAAAAAAAAAAAAAAAAAAB8AAABUAAAAAAAABQAAAAEAAAAAAAAAAAAAAAAAAAAAAAAAAAAAAAAAAAAAAAAAAAAAAAJ/f38AAAAAA8zMzADAwP8Af39/AAAAAAAAAAAAAAAAAAAAAAAAAAAAIQAAABgAAAAUAAAAwAMAANgJAABARwAAsCUAABAAAAAmAAAACAAAAAAAAAAAAAAAMAAAABQAAAAAAAAAAAD//wAAAQAAAP//AAABAA=="/>
+                <pr:smNativeData xmlns:pr="smNativeData" xmlns="smNativeData" val="SMDATA_16_D/2gZxMAAAAlAAAAZAAAAA8BAAAAkAAAAEgAAACQAAAASAAAAAAAAAAAAAAAAAAAAAEAAABQAAAAAAAAAAAA4D8AAAAAAADgPwAAAAAAAOA/AAAAAAAA4D8AAAAAAADgPwAAAAAAAOA/AAAAAAAA4D8AAAAAAADgPwAAAAAAAOA/AAAAAAAA4D8CAAAAjAAAAAAAAAAAAAAAu+DjDP///wgAAAAAAAAAAAAAAAAAAAAAAAAAAAAAAAAAAAAAZAAAAAEAAABAAAAAAAAAAAAAAAAAAAAAAAAAAAAAAAAAAAAAAAAAAAAAAAAAAAAAAAAAAAAAAAAAAAAAAAAAAAAAAAAAAAAAAAAAAAAAAAAAAAAAAAAAAAAAAAAAAAAAFAAAADwAAAAAAAAAAAAAAAAAAAkUAAAAAQAAABQAAAAUAAAAFAAAAAEAAAAAAAAAZAAAAGQAAAAAAAAAZAAAAGQAAAAVAAAAYAAAAAAAAAAAAAAADwAAACADAAAAAAAAAAAAAAEAAACgMgAAVgcAAKr4//8BAAAAf39/AAEAAABkAAAAAAAAABQAAABAHwAAAAAAACYAAAAAAAAAwOD//wAAAAAmAAAAZAAAABYAAABMAAAAAAAAAAAAAAAEAAAAAAAAAAEAAACAgIAKAAAAACgAAAAoAAAAZAAAAGQAAAAAAAAAzMzMAAAAAABQAAAAUAAAAGQAAABkAAAAAAAAABcAAAAUAAAAAAAAAAAAAAD/fwAA/38AAAAAAAAJAAAABAAAAJQyrcweAAAAaAAAAAAAAAAAAAAAAAAAAAAAAAAAAAAAECcAABAnAAAAAAAAAAAAAAAAAAAAAAAAAAAAAAAAAAAAAAAAAAAAABQAAAAAAAAAwMD/AAAAAABkAAAAMgAAAAAAAABkAAAAAAAAAH9/fwAKAAAAIgAAABgAAAAAAAAAAAAAAAAAAAAAAAAAAAAAAAAAAAAkAAAAJAAAAAAAAAAHAAAAAAAAAAAAAAAAAAAAAAAAAAAAAAAAAAAAf39/ACUAAABYAAAAAAAAAAAAAAAAAAAAAAAAAAAAAAAAAAAAAAAAAAAAAAAAAAAAAAAAAAAAAAA/AAAAAAAAAKCGAQAAAAAAAAAAAAAAAAAMAAAAAQAAAAAAAAAAAAAAAAAAAB8AAABUAAAAAAAABQAAAAEAAAAAAAAAAAAAAAAAAAAAAAAAAAAAAAAAAAAAAAAAAAAAAAJ/f38AAAAAA8zMzADAwP8Af39/AAAAAAAAAAAAAAAAAAAAAAAAAAAAIQAAABgAAAAUAAAAwAMAANgJAABARwAAsCUAABAAAAAmAAAACAAAAAAAAAAAAAAAMAAAABQAAAAAAAAAAAD//wAAAQAAAP//AAABAA=="/>
               </a:ext>
             </a:extLst>
           </p:cNvSpPr>
@@ -3986,7 +3986,7 @@
             <a:picLocks noChangeAspect="1"/>
             <a:extLst>
               <a:ext uri="smNativeData">
-                <pr:smNativeData xmlns:pr="smNativeData" xmlns="smNativeData" val="SMDATA_18_yvWgZxMAAAAlAAAAEQAAAC8BAAAAkAAAAEgAAACQAAAASAAAAAAAAAAAAAAAAAAAAAEAAABQAAAAAAAAAAAA4D8AAAAAAADgPwAAAAAAAOA/AAAAAAAA4D8AAAAAAADgPwAAAAAAAOA/AAAAAAAA4D8AAAAAAADgPwAAAAAAAOA/AAAAAAAA4D8CAAAAjAAAAAAAAAAAAAAAu+DjDP///wgAAAAAAAAAAAAAAAAAAAAAAAAAAAAAAAAAAAAAZAAAAAEAAABAAAAAAAAAAAAAAAAAAAAAAAAAAAAAAAAAAAAAAAAAAAAAAAAAAAAAAAAAAAAAAAAAAAAAAAAAAAAAAAAAAAAAAAAAAAAAAAAAAAAAAAAAAAAAAAAAAAAAFAAAADwAAAAAAAAAAAAAAAAAAAkUAAAAAQAAABQAAAAUAAAAFAAAAAEAAAAAAAAAZAAAAGQAAAAAAAAAZAAAAGQAAAAVAAAAYAAAAAAAAAAAAAAADwAAACADAAAAAAAAAAAAAAEAAACgMgAAVgcAAKr4//8BAAAAf39/AAEAAABkAAAAAAAAABQAAABAHwAAAAAAACYAAAAAAAAAwOD//wAAAAAmAAAAZAAAABYAAABMAAAAAAAAAAAAAAAEAAAAAAAAAAEAAACAgIAKAAAAACgAAAAoAAAAZAAAAGQAAAAAAAAAzMzMAAAAAABQAAAAUAAAAGQAAABkAAAAAAAAAAcAAAA4AAAAAAAAAAAAAAAAAAAA////AAAAAAAAAAAAAAAAAAAAAAAAAAAAAAAAAAAAAABkAAAAZAAAAAAAAAAjAAAABAAAAGQAAAAXAAAAFAAAAAAAAAAAAAAA/38AAP9/AAAAAAAACQAAAAQAAABlAAAAHgAAAGgAAAAAAAAAAAAAAAAAAAAAAAAAAAAAABAnAAAQJwAAAAAAAAAAAAAAAAAAAAAAAAAAAAAAAAAAAAAAAAAAAAAUAAAAAAAAAMDA/wAAAAAAZAAAADIAAAAAAAAAZAAAAAAAAAB/f38ACgAAACIAAAAYAAAAAAAAAAAAAAAAAAAAAAAAAAAAAAAAAAAAJAAAACQAAAAAAAAABwAAAAAAAAAAAAAAAAAAAAAAAAAAAAAAAAAAAH9/fwAlAAAAWAAAAAAAAAAAAAAAAAAAAAAAAAAAAAAAAAAAAAAAAAAAAAAAAAAAAAAAAAAAAAAAPwAAAAAAAACghgEAAAAAAAAAAAAAAAAADAAAAAEAAAAAAAAAAAAAAAAAAAAfAAAAVAAAALvg4wX///8BAAAAAAAAAAAAAAAAAAAAAAAAAAAAAAAAAAAAAAAAAAAAAAACf39/AICAgAPMzMwAwMD/AH9/fwAAAAAAAAAAAAAAAAD///8AAAAAACEAAAAYAAAAFAAAAMADAABHGAAAdEUAAG4iAAAQAAAAJgAAAAgAAAD//////////zAAAAAUAAAAAAAAAAAA//8AAAEAAAD//wAAAQA="/>
+                <pr:smNativeData xmlns:pr="smNativeData" xmlns="smNativeData" val="SMDATA_18_D/2gZxMAAAAlAAAAEQAAAC8BAAAAkAAAAEgAAACQAAAASAAAAAAAAAAAAAAAAAAAAAEAAABQAAAAAAAAAAAA4D8AAAAAAADgPwAAAAAAAOA/AAAAAAAA4D8AAAAAAADgPwAAAAAAAOA/AAAAAAAA4D8AAAAAAADgPwAAAAAAAOA/AAAAAAAA4D8CAAAAjAAAAAAAAAAAAAAAu+DjDP///wgAAAAAAAAAAAAAAAAAAAAAAAAAAAAAAAAAAAAAZAAAAAEAAABAAAAAAAAAAAAAAAAAAAAAAAAAAAAAAAAAAAAAAAAAAAAAAAAAAAAAAAAAAAAAAAAAAAAAAAAAAAAAAAAAAAAAAAAAAAAAAAAAAAAAAAAAAAAAAAAAAAAAFAAAADwAAAAAAAAAAAAAAAAAAAkUAAAAAQAAABQAAAAUAAAAFAAAAAEAAAAAAAAAZAAAAGQAAAAAAAAAZAAAAGQAAAAVAAAAYAAAAAAAAAAAAAAADwAAACADAAAAAAAAAAAAAAEAAACgMgAAVgcAAKr4//8BAAAAf39/AAEAAABkAAAAAAAAABQAAABAHwAAAAAAACYAAAAAAAAAwOD//wAAAAAmAAAAZAAAABYAAABMAAAAAAAAAAAAAAAEAAAAAAAAAAEAAACAgIAKAAAAACgAAAAoAAAAZAAAAGQAAAAAAAAAzMzMAAAAAABQAAAAUAAAAGQAAABkAAAAAAAAAAcAAAA4AAAAAAAAAAAAAAAAAAAA////AAAAAAAAAAAAAAAAAAAAAAAAAAAAAAAAAAAAAABkAAAAZAAAAAAAAAAjAAAABAAAAGQAAAAXAAAAFAAAAAAAAAAAAAAA/38AAP9/AAAAAAAACQAAAAQAAABlAAAAHgAAAGgAAAAAAAAAAAAAAAAAAAAAAAAAAAAAABAnAAAQJwAAAAAAAAAAAAAAAAAAAAAAAAAAAAAAAAAAAAAAAAAAAAAUAAAAAAAAAMDA/wAAAAAAZAAAADIAAAAAAAAAZAAAAAAAAAB/f38ACgAAACIAAAAYAAAAAAAAAAAAAAAAAAAAAAAAAAAAAAAAAAAAJAAAACQAAAAAAAAABwAAAAAAAAAAAAAAAAAAAAAAAAAAAAAAAAAAAH9/fwAlAAAAWAAAAAAAAAAAAAAAAAAAAAAAAAAAAAAAAAAAAAAAAAAAAAAAAAAAAAAAAAAAAAAAPwAAAAAAAACghgEAAAAAAAAAAAAAAAAADAAAAAEAAAAAAAAAAAAAAAAAAAAfAAAAVAAAALvg4wX///8BAAAAAAAAAAAAAAAAAAAAAAAAAAAAAAAAAAAAAAAAAAAAAAACf39/AICAgAPMzMwAwMD/AH9/fwAAAAAAAAAAAAAAAAD///8AAAAAACEAAAAYAAAAFAAAAMADAABHGAAAdEUAAG4iAAAQAAAAJgAAAAgAAAD//////////zAAAAAUAAAAAAAAAAAA//8AAAEAAAD//wAAAQA="/>
               </a:ext>
             </a:extLst>
           </p:cNvPicPr>
@@ -4052,7 +4052,7 @@
             <a:spLocks noGrp="1" noChangeArrowheads="1"/>
             <a:extLst>
               <a:ext uri="smNativeData">
-                <pr:smNativeData xmlns:pr="smNativeData" xmlns="smNativeData" val="SMDATA_16_yvWgZxMAAAAlAAAAZAAAAA8BAAAAkAAAAEgAAACQAAAASAAAAAAAAAABAAAAAAAAAAEAAABQAAAAAAAAAAAA4D8AAAAAAADgPwAAAAAAAOA/AAAAAAAA4D8AAAAAAADgPwAAAAAAAOA/AAAAAAAA4D8AAAAAAADgPwAAAAAAAOA/AAAAAAAA4D8CAAAAjAAAAAAAAAAAAAAAu+DjDP///wgAAAAAAAAAAAAAAAAAAAAAAAAAAAAAAAAAAAAAZAAAAAEAAABAAAAAAAAAAAAAAAAAAAAAAAAAAAAAAAAAAAAAAAAAAAAAAAAAAAAAAAAAAAAAAAAAAAAAAAAAAAAAAAAAAAAAAAAAAAAAAAAAAAAAAAAAAAAAAAAAAAAAFAAAADwAAAAAAAAAAAAAAAAAAAkUAAAAAQAAABQAAAAUAAAAFAAAAAEAAAAAAAAAZAAAAGQAAAAAAAAAZAAAAGQAAAAVAAAAYAAAAAAAAAAAAAAADwAAACADAAAAAAAAAAAAAAEAAACgMgAAVgcAAKr4//8BAAAAf39/AAEAAABkAAAAAAAAABQAAABAHwAAAAAAACYAAAAAAAAAwOD//wAAAAAmAAAAZAAAABYAAABMAAAAAAAAAAAAAAAEAAAAAAAAAAEAAACAgIAKAAAAACgAAAAoAAAAZAAAAGQAAAAAAAAAzMzMAAAAAABQAAAAUAAAAGQAAABkAAAAAAAAABcAAAAUAAAAAAAAAAAAAAD/fwAA/38AAAAAAAAJAAAABAAAAO8CAAAeAAAAaAAAAAAAAAAAAAAAAAAAAAAAAAAAAAAAECcAABAnAAAAAAAAAAAAAAAAAAAAAAAAAAAAAAAAAAAAAAAAAAAAABQAAAAAAAAAwMD/AAAAAABkAAAAMgAAAAAAAABkAAAAAAAAAH9/fwAKAAAAIgAAABgAAAAAAAAAAAAAAAAAAAAAAAAAAAAAAAAAAAAkAAAAJAAAAAAAAAAHAAAAAAAAAAAAAAAAAAAAAAAAAAAAAAAAAAAAf39/ACUAAABYAAAAAAAAAAAAAAAAAAAAAAAAAAAAAAAAAAAAAAAAAAAAAAAAAAAAAAAAAAAAAAA/AAAAAAAAAKCGAQAAAAAAAAAAAAAAAAAMAAAAAQAAAAAAAAAAAAAAAAAAAB8AAABUAAAAAAAABQAAAAEAAAAAAAAAAAAAAAAAAAAAAAAAAAAAAAAAAAAAAAAAAAAAAAJ/f38AAAAAA8zMzADAwP8Af39/AAAAAAAAAAAAAAAAAAAAAAAAAAAAIQAAABgAAAAUAAAAwAMAALABAABARwAAuAgAABAAAAAmAAAACAAAAAAAAAAAAAAAMAAAABQAAAAAAAAAAAD//wAAAQAAAP//AAABAA=="/>
+                <pr:smNativeData xmlns:pr="smNativeData" xmlns="smNativeData" val="SMDATA_16_D/2gZxMAAAAlAAAAZAAAAA8BAAAAkAAAAEgAAACQAAAASAAAAAAAAAABAAAAAAAAAAEAAABQAAAAAAAAAAAA4D8AAAAAAADgPwAAAAAAAOA/AAAAAAAA4D8AAAAAAADgPwAAAAAAAOA/AAAAAAAA4D8AAAAAAADgPwAAAAAAAOA/AAAAAAAA4D8CAAAAjAAAAAAAAAAAAAAAu+DjDP///wgAAAAAAAAAAAAAAAAAAAAAAAAAAAAAAAAAAAAAZAAAAAEAAABAAAAAAAAAAAAAAAAAAAAAAAAAAAAAAAAAAAAAAAAAAAAAAAAAAAAAAAAAAAAAAAAAAAAAAAAAAAAAAAAAAAAAAAAAAAAAAAAAAAAAAAAAAAAAAAAAAAAAFAAAADwAAAAAAAAAAAAAAAAAAAkUAAAAAQAAABQAAAAUAAAAFAAAAAEAAAAAAAAAZAAAAGQAAAAAAAAAZAAAAGQAAAAVAAAAYAAAAAAAAAAAAAAADwAAACADAAAAAAAAAAAAAAEAAACgMgAAVgcAAKr4//8BAAAAf39/AAEAAABkAAAAAAAAABQAAABAHwAAAAAAACYAAAAAAAAAwOD//wAAAAAmAAAAZAAAABYAAABMAAAAAAAAAAAAAAAEAAAAAAAAAAEAAACAgIAKAAAAACgAAAAoAAAAZAAAAGQAAAAAAAAAzMzMAAAAAABQAAAAUAAAAGQAAABkAAAAAAAAABcAAAAUAAAAAAAAAAAAAAD/fwAA/38AAAAAAAAJAAAABAAAAO8CAAAeAAAAaAAAAAAAAAAAAAAAAAAAAAAAAAAAAAAAECcAABAnAAAAAAAAAAAAAAAAAAAAAAAAAAAAAAAAAAAAAAAAAAAAABQAAAAAAAAAwMD/AAAAAABkAAAAMgAAAAAAAABkAAAAAAAAAH9/fwAKAAAAIgAAABgAAAAAAAAAAAAAAAAAAAAAAAAAAAAAAAAAAAAkAAAAJAAAAAAAAAAHAAAAAAAAAAAAAAAAAAAAAAAAAAAAAAAAAAAAf39/ACUAAABYAAAAAAAAAAAAAAAAAAAAAAAAAAAAAAAAAAAAAAAAAAAAAAAAAAAAAAAAAAAAAAA/AAAAAAAAAKCGAQAAAAAAAAAAAAAAAAAMAAAAAQAAAAAAAAAAAAAAAAAAAB8AAABUAAAAAAAABQAAAAEAAAAAAAAAAAAAAAAAAAAAAAAAAAAAAAAAAAAAAAAAAAAAAAJ/f38AAAAAA8zMzADAwP8Af39/AAAAAAAAAAAAAAAAAAAAAAAAAAAAIQAAABgAAAAUAAAAwAMAALABAABARwAAuAgAABAAAAAmAAAACAAAAAAAAAAAAAAAMAAAABQAAAAAAAAAAAD//wAAAQAAAP//AAABAA=="/>
               </a:ext>
             </a:extLst>
           </p:cNvSpPr>
@@ -4079,7 +4079,7 @@
             <a:spLocks noGrp="1" noChangeArrowheads="1"/>
             <a:extLst>
               <a:ext uri="smNativeData">
-                <pr:smNativeData xmlns:pr="smNativeData" xmlns="smNativeData" val="SMDATA_16_yvWgZxMAAAAlAAAAZAAAAA8BAAAAkAAAAEgAAACQAAAASAAAAAAAAAAAAAAAAAAAAAEAAABQAAAAAAAAAAAA4D8AAAAAAADgPwAAAAAAAOA/AAAAAAAA4D8AAAAAAADgPwAAAAAAAOA/AAAAAAAA4D8AAAAAAADgPwAAAAAAAOA/AAAAAAAA4D8CAAAAjAAAAAAAAAAAAAAAu+DjDP///wgAAAAAAAAAAAAAAAAAAAAAAAAAAAAAAAAAAAAAZAAAAAEAAABAAAAAAAAAAAAAAAAAAAAAAAAAAAAAAAAAAAAAAAAAAAAAAAAAAAAAAAAAAAAAAAAAAAAAAAAAAAAAAAAAAAAAAAAAAAAAAAAAAAAAAAAAAAAAAAAAAAAAFAAAADwAAAAAAAAAAAAAAAAAAAkUAAAAAQAAABQAAAAUAAAAFAAAAAEAAAAAAAAAZAAAAGQAAAAAAAAAZAAAAGQAAAAVAAAAYAAAAAAAAAAAAAAADwAAACADAAAAAAAAAAAAAAEAAACgMgAAVgcAAKr4//8BAAAAf39/AAEAAABkAAAAAAAAABQAAABAHwAAAAAAACYAAAAAAAAAwOD//wAAAAAmAAAAZAAAABYAAABMAAAAAAAAAAAAAAAEAAAAAAAAAAEAAACAgIAKAAAAACgAAAAoAAAAZAAAAGQAAAAAAAAAzMzMAAAAAABQAAAAUAAAAGQAAABkAAAAAAAAABcAAAAUAAAAAAAAAAAAAAD/fwAA/38AAAAAAAAJAAAABAAAAGICAAAeAAAAaAAAAAAAAAAAAAAAAAAAAAAAAAAAAAAAECcAABAnAAAAAAAAAAAAAAAAAAAAAAAAAAAAAAAAAAAAAAAAAAAAABQAAAAAAAAAwMD/AAAAAABkAAAAMgAAAAAAAABkAAAAAAAAAH9/fwAKAAAAIgAAABgAAAAAAAAAAAAAAAAAAAAAAAAAAAAAAAAAAAAkAAAAJAAAAAAAAAAHAAAAAAAAAAAAAAAAAAAAAAAAAAAAAAAAAAAAf39/ACUAAABYAAAAAAAAAAAAAAAAAAAAAAAAAAAAAAAAAAAAAAAAAAAAAAAAAAAAAAAAAAAAAAA/AAAAAAAAAKCGAQAAAAAAAAAAAAAAAAAMAAAAAQAAAAAAAAAAAAAAAAAAAB8AAABUAAAAAAAABQAAAAEAAAAAAAAAAAAAAAAAAAAAAAAAAAAAAAAAAAAAAAAAAAAAAAJ/f38AAAAAA8zMzADAwP8Af39/AAAAAAAAAAAAAAAAAAAAAAAAAAAAIQAAABgAAAAUAAAAwAMAANgJAABARwAAsCUAABAAAAAmAAAACAAAAAAAAAAAAAAAMAAAABQAAAAAAAAAAAD//wAAAQAAAP//AAABAA=="/>
+                <pr:smNativeData xmlns:pr="smNativeData" xmlns="smNativeData" val="SMDATA_16_D/2gZxMAAAAlAAAAZAAAAA8BAAAAkAAAAEgAAACQAAAASAAAAAAAAAAAAAAAAAAAAAEAAABQAAAAAAAAAAAA4D8AAAAAAADgPwAAAAAAAOA/AAAAAAAA4D8AAAAAAADgPwAAAAAAAOA/AAAAAAAA4D8AAAAAAADgPwAAAAAAAOA/AAAAAAAA4D8CAAAAjAAAAAAAAAAAAAAAu+DjDP///wgAAAAAAAAAAAAAAAAAAAAAAAAAAAAAAAAAAAAAZAAAAAEAAABAAAAAAAAAAAAAAAAAAAAAAAAAAAAAAAAAAAAAAAAAAAAAAAAAAAAAAAAAAAAAAAAAAAAAAAAAAAAAAAAAAAAAAAAAAAAAAAAAAAAAAAAAAAAAAAAAAAAAFAAAADwAAAAAAAAAAAAAAAAAAAkUAAAAAQAAABQAAAAUAAAAFAAAAAEAAAAAAAAAZAAAAGQAAAAAAAAAZAAAAGQAAAAVAAAAYAAAAAAAAAAAAAAADwAAACADAAAAAAAAAAAAAAEAAACgMgAAVgcAAKr4//8BAAAAf39/AAEAAABkAAAAAAAAABQAAABAHwAAAAAAACYAAAAAAAAAwOD//wAAAAAmAAAAZAAAABYAAABMAAAAAAAAAAAAAAAEAAAAAAAAAAEAAACAgIAKAAAAACgAAAAoAAAAZAAAAGQAAAAAAAAAzMzMAAAAAABQAAAAUAAAAGQAAABkAAAAAAAAABcAAAAUAAAAAAAAAAAAAAD/fwAA/38AAAAAAAAJAAAABAAAAGICAAAeAAAAaAAAAAAAAAAAAAAAAAAAAAAAAAAAAAAAECcAABAnAAAAAAAAAAAAAAAAAAAAAAAAAAAAAAAAAAAAAAAAAAAAABQAAAAAAAAAwMD/AAAAAABkAAAAMgAAAAAAAABkAAAAAAAAAH9/fwAKAAAAIgAAABgAAAAAAAAAAAAAAAAAAAAAAAAAAAAAAAAAAAAkAAAAJAAAAAAAAAAHAAAAAAAAAAAAAAAAAAAAAAAAAAAAAAAAAAAAf39/ACUAAABYAAAAAAAAAAAAAAAAAAAAAAAAAAAAAAAAAAAAAAAAAAAAAAAAAAAAAAAAAAAAAAA/AAAAAAAAAKCGAQAAAAAAAAAAAAAAAAAMAAAAAQAAAAAAAAAAAAAAAAAAAB8AAABUAAAAAAAABQAAAAEAAAAAAAAAAAAAAAAAAAAAAAAAAAAAAAAAAAAAAAAAAAAAAAJ/f38AAAAAA8zMzADAwP8Af39/AAAAAAAAAAAAAAAAAAAAAAAAAAAAIQAAABgAAAAUAAAAwAMAANgJAABARwAAsCUAABAAAAAmAAAACAAAAAAAAAAAAAAAMAAAABQAAAAAAAAAAAD//wAAAQAAAP//AAABAA=="/>
               </a:ext>
             </a:extLst>
           </p:cNvSpPr>
@@ -4138,7 +4138,7 @@
             <a:picLocks noChangeAspect="1"/>
             <a:extLst>
               <a:ext uri="smNativeData">
-                <pr:smNativeData xmlns:pr="smNativeData" xmlns="smNativeData" val="SMDATA_18_yvWgZxMAAAAlAAAAEQAAAC8BAAAAkAAAAEgAAACQAAAASAAAAAAAAAAAAAAAAAAAAAEAAABQAAAAAAAAAAAA4D8AAAAAAADgPwAAAAAAAOA/AAAAAAAA4D8AAAAAAADgPwAAAAAAAOA/AAAAAAAA4D8AAAAAAADgPwAAAAAAAOA/AAAAAAAA4D8CAAAAjAAAAAAAAAAAAAAAu+DjDP///wgAAAAAAAAAAAAAAAAAAAAAAAAAAAAAAAAAAAAAZAAAAAEAAABAAAAAAAAAAAAAAAAAAAAAAAAAAAAAAAAAAAAAAAAAAAAAAAAAAAAAAAAAAAAAAAAAAAAAAAAAAAAAAAAAAAAAAAAAAAAAAAAAAAAAAAAAAAAAAAAAAAAAFAAAADwAAAAAAAAAAAAAAAAAAAkUAAAAAQAAABQAAAAUAAAAFAAAAAEAAAAAAAAAZAAAAGQAAAAAAAAAZAAAAGQAAAAVAAAAYAAAAAAAAAAAAAAADwAAACADAAAAAAAAAAAAAAEAAACgMgAAVgcAAKr4//8BAAAAf39/AAEAAABkAAAAAAAAABQAAABAHwAAAAAAACYAAAAAAAAAwOD//wAAAAAmAAAAZAAAABYAAABMAAAAAAAAAAAAAAAEAAAAAAAAAAEAAACAgIAKAAAAACgAAAAoAAAAZAAAAGQAAAAAAAAAzMzMAAAAAABQAAAAUAAAAGQAAABkAAAAAAAAAAcAAAA4AAAAAAAAAAAAAAAAAAAA////AAAAAAAAAAAAAAAAAAAAAAAAAAAAAAAAAAAAAABkAAAAZAAAAAAAAAAjAAAABAAAAGQAAAAXAAAAFAAAAAAAAAAAAAAA/38AAP9/AAAAAAAACQAAAAQAAAAAAAAAHgAAAGgAAAAAAAAAAAAAAAAAAAAAAAAAAAAAABAnAAAQJwAAAAAAAAAAAAAAAAAAAAAAAAAAAAAAAAAAAAAAAAAAAAAUAAAAAAAAAMDA/wAAAAAAZAAAADIAAAAAAAAAZAAAAAAAAAB/f38ACgAAACIAAAAYAAAAAAAAAAAAAAAAAAAAAAAAAAAAAAAAAAAAJAAAACQAAAAAAAAABwAAAAAAAAAAAAAAAAAAAAAAAAAAAAAAAAAAAH9/fwAlAAAAWAAAAAAAAAAAAAAAAAAAAAAAAAAAAAAAAAAAAAAAAAAAAAAAAAAAAAAAAAAAAAAAPwAAAAAAAACghgEAAAAAAAAAAAAAAAAADAAAAAEAAAAAAAAAAAAAAAAAAAAfAAAAVAAAALvg4wX///8BAAAAAAAAAAAAAAAAAAAAAAAAAAAAAAAAAAAAAAAAAAAAAAACf39/AICAgAPMzMwAwMD/AH9/fwAAAAAAAAAAAAAAAAD///8AAAAAACEAAAAYAAAAFAAAAMADAAD0IAAAmCsAALAlAAAQAAAAJgAAAAgAAAD//////////zAAAAAUAAAAAAAAAAAA//8AAAEAAAD//wAAAQA="/>
+                <pr:smNativeData xmlns:pr="smNativeData" xmlns="smNativeData" val="SMDATA_18_D/2gZxMAAAAlAAAAEQAAAC8BAAAAkAAAAEgAAACQAAAASAAAAAAAAAAAAAAAAAAAAAEAAABQAAAAAAAAAAAA4D8AAAAAAADgPwAAAAAAAOA/AAAAAAAA4D8AAAAAAADgPwAAAAAAAOA/AAAAAAAA4D8AAAAAAADgPwAAAAAAAOA/AAAAAAAA4D8CAAAAjAAAAAAAAAAAAAAAu+DjDP///wgAAAAAAAAAAAAAAAAAAAAAAAAAAAAAAAAAAAAAZAAAAAEAAABAAAAAAAAAAAAAAAAAAAAAAAAAAAAAAAAAAAAAAAAAAAAAAAAAAAAAAAAAAAAAAAAAAAAAAAAAAAAAAAAAAAAAAAAAAAAAAAAAAAAAAAAAAAAAAAAAAAAAFAAAADwAAAAAAAAAAAAAAAAAAAkUAAAAAQAAABQAAAAUAAAAFAAAAAEAAAAAAAAAZAAAAGQAAAAAAAAAZAAAAGQAAAAVAAAAYAAAAAAAAAAAAAAADwAAACADAAAAAAAAAAAAAAEAAACgMgAAVgcAAKr4//8BAAAAf39/AAEAAABkAAAAAAAAABQAAABAHwAAAAAAACYAAAAAAAAAwOD//wAAAAAmAAAAZAAAABYAAABMAAAAAAAAAAAAAAAEAAAAAAAAAAEAAACAgIAKAAAAACgAAAAoAAAAZAAAAGQAAAAAAAAAzMzMAAAAAABQAAAAUAAAAGQAAABkAAAAAAAAAAcAAAA4AAAAAAAAAAAAAAAAAAAA////AAAAAAAAAAAAAAAAAAAAAAAAAAAAAAAAAAAAAABkAAAAZAAAAAAAAAAjAAAABAAAAGQAAAAXAAAAFAAAAAAAAAAAAAAA/38AAP9/AAAAAAAACQAAAAQAAAAAAAAAHgAAAGgAAAAAAAAAAAAAAAAAAAAAAAAAAAAAABAnAAAQJwAAAAAAAAAAAAAAAAAAAAAAAAAAAAAAAAAAAAAAAAAAAAAUAAAAAAAAAMDA/wAAAAAAZAAAADIAAAAAAAAAZAAAAAAAAAB/f38ACgAAACIAAAAYAAAAAAAAAAAAAAAAAAAAAAAAAAAAAAAAAAAAJAAAACQAAAAAAAAABwAAAAAAAAAAAAAAAAAAAAAAAAAAAAAAAAAAAH9/fwAlAAAAWAAAAAAAAAAAAAAAAAAAAAAAAAAAAAAAAAAAAAAAAAAAAAAAAAAAAAAAAAAAAAAAPwAAAAAAAACghgEAAAAAAAAAAAAAAAAADAAAAAEAAAAAAAAAAAAAAAAAAAAfAAAAVAAAALvg4wX///8BAAAAAAAAAAAAAAAAAAAAAAAAAAAAAAAAAAAAAAAAAAAAAAACf39/AICAgAPMzMwAwMD/AH9/fwAAAAAAAAAAAAAAAAD///8AAAAAACEAAAAYAAAAFAAAAMADAAD0IAAAmCsAALAlAAAQAAAAJgAAAAgAAAD//////////zAAAAAUAAAAAAAAAAAA//8AAAEAAAD//wAAAQA="/>
               </a:ext>
             </a:extLst>
           </p:cNvPicPr>
@@ -4204,47 +4204,47 @@
             <a:spLocks noGrp="1" noChangeArrowheads="1"/>
             <a:extLst>
               <a:ext uri="smNativeData">
-                <pr:smNativeData xmlns:pr="smNativeData" xmlns="smNativeData" val="SMDATA_16_yvWgZxMAAAAlAAAAZAAAAA8BAAAAkAAAAEgAAACQAAAASAAAAAAAAAABAAAAAAAAAAEAAABQAAAAAAAAAAAA4D8AAAAAAADgPwAAAAAAAOA/AAAAAAAA4D8AAAAAAADgPwAAAAAAAOA/AAAAAAAA4D8AAAAAAADgPwAAAAAAAOA/AAAAAAAA4D8CAAAAjAAAAAAAAAAAAAAAu+DjDP///wgAAAAAAAAAAAAAAAAAAAAAAAAAAAAAAAAAAAAAZAAAAAEAAABAAAAAAAAAAAAAAAAAAAAAAAAAAAAAAAAAAAAAAAAAAAAAAAAAAAAAAAAAAAAAAAAAAAAAAAAAAAAAAAAAAAAAAAAAAAAAAAAAAAAAAAAAAAAAAAAAAAAAFAAAADwAAAAAAAAAAAAAAAAAAAkUAAAAAQAAABQAAAAUAAAAFAAAAAEAAAAAAAAAZAAAAGQAAAAAAAAAZAAAAGQAAAAVAAAAYAAAAAAAAAAAAAAADwAAACADAAAAAAAAAAAAAAEAAACgMgAAVgcAAKr4//8BAAAAf39/AAEAAABkAAAAAAAAABQAAABAHwAAAAAAACYAAAAAAAAAwOD//wAAAAAmAAAAZAAAABYAAABMAAAAAAAAAAAAAAAEAAAAAAAAAAEAAACAgIAKAAAAACgAAAAoAAAAZAAAAGQAAAAAAAAAzMzMAAAAAABQAAAAUAAAAGQAAABkAAAAAAAAABcAAAAUAAAAAAAAAAAAAAD/fwAA/38AAAAAAAAJAAAABAAAAGICAAAeAAAAaAAAAAAAAAAAAAAAAAAAAAAAAAAAAAAAECcAABAnAAAAAAAAAAAAAAAAAAAAAAAAAAAAAAAAAAAAAAAAAAAAABQAAAAAAAAAwMD/AAAAAABkAAAAMgAAAAAAAABkAAAAAAAAAH9/fwAKAAAAIgAAABgAAAAAAAAAAAAAAAAAAAAAAAAAAAAAAAAAAAAkAAAAJAAAAAAAAAAHAAAAAAAAAAAAAAAAAAAAAAAAAAAAAAAAAAAAf39/ACUAAABYAAAAAAAAAAAAAAAAAAAAAAAAAAAAAAAAAAAAAAAAAAAAAAAAAAAAAAAAAAAAAAA/AAAAAAAAAKCGAQAAAAAAAAAAAAAAAAAMAAAAAQAAAAAAAAAAAAAAAAAAAB8AAABUAAAAAAAABQAAAAEAAAAAAAAAAAAAAAAAAAAAAAAAAAAAAAAAAAAAAAAAAAAAAAJ/f38AAAAAA8zMzADAwP8Af39/AAAAAAAAAAAAAAAAAAAAAAAAAAAAIQAAABgAAAAUAAAAwAMAALABAABARwAAuAgAABAAAAAmAAAACAAAAAAAAAAAAAAAMAAAABQAAAAAAAAAAAD//wAAAQAAAP//AAABAA=="/>
+                <pr:smNativeData xmlns:pr="smNativeData" xmlns="smNativeData" val="SMDATA_16_D/2gZxMAAAAlAAAAZAAAAA8BAAAAkAAAAEgAAACQAAAASAAAAAAAAAABAAAAAAAAAAEAAABQAAAAAAAAAAAA4D8AAAAAAADgPwAAAAAAAOA/AAAAAAAA4D8AAAAAAADgPwAAAAAAAOA/AAAAAAAA4D8AAAAAAADgPwAAAAAAAOA/AAAAAAAA4D8CAAAAjAAAAAAAAAAAAAAAu+DjDP///wgAAAAAAAAAAAAAAAAAAAAAAAAAAAAAAAAAAAAAZAAAAAEAAABAAAAAAAAAAAAAAAAAAAAAAAAAAAAAAAAAAAAAAAAAAAAAAAAAAAAAAAAAAAAAAAAAAAAAAAAAAAAAAAAAAAAAAAAAAAAAAAAAAAAAAAAAAAAAAAAAAAAAFAAAADwAAAAAAAAAAAAAAAAAAAkUAAAAAQAAABQAAAAUAAAAFAAAAAEAAAAAAAAAZAAAAGQAAAAAAAAAZAAAAGQAAAAVAAAAYAAAAAAAAAAAAAAADwAAACADAAAAAAAAAAAAAAEAAACgMgAAVgcAAKr4//8BAAAAf39/AAEAAABkAAAAAAAAABQAAABAHwAAAAAAACYAAAAAAAAAwOD//wAAAAAmAAAAZAAAABYAAABMAAAAAAAAAAAAAAAEAAAAAAAAAAEAAACAgIAKAAAAACgAAAAoAAAAZAAAAGQAAAAAAAAAzMzMAAAAAABQAAAAUAAAAGQAAABkAAAAAAAAABcAAAAUAAAAAAAAAAAAAAD/fwAA/38AAAAAAAAJAAAABAAAAGICAAAeAAAAaAAAAAAAAAAAAAAAAAAAAAAAAAAAAAAAECcAABAnAAAAAAAAAAAAAAAAAAAAAAAAAAAAAAAAAAAAAAAAAAAAABQAAAAAAAAAwMD/AAAAAABkAAAAMgAAAAAAAABkAAAAAAAAAH9/fwAKAAAAIgAAABgAAAAAAAAAAAAAAAAAAAAAAAAAAAAAAAAAAAAkAAAAJAAAAAAAAAAHAAAAAAAAAAAAAAAAAAAAAAAAAAAAAAAAAAAAf39/ACUAAABYAAAAAAAAAAAAAAAAAAAAAAAAAAAAAAAAAAAAAAAAAAAAAAAAAAAAAAAAAAAAAAA/AAAAAAAAAKCGAQAAAAAAAAAAAAAAAAAMAAAAAQAAAAAAAAAAAAAAAAAAAB8AAABUAAAAAAAABQAAAAEAAAAAAAAAAAAAAAAAAAAAAAAAAAAAAAAAAAAAAAAAAAAAAAJ/f38AAAAAA8zMzADAwP8Af39/AAAAAAAAAAAAAAAAAAAAAAAAAAAAIQAAABgAAAAUAAAAwAMAALABAABARwAAuAgAAAAAAAAmAAAACAAAAAEAAAAAAAAAMAAAABQAAAAAAAAAAAD//wAAAQAAAP//AAABAA=="/>
               </a:ext>
             </a:extLst>
           </p:cNvSpPr>
           <p:nvPr>
             <p:ph type="title"/>
-          </p:nvPr>
-        </p:nvSpPr>
-        <p:spPr/>
-        <p:txBody>
-          <a:bodyPr/>
-          <a:lstStyle/>
-          <a:p>
-            <a:pPr/>
-            <a:r>
-              <a:t>Доля верных ответов</a:t>
-            </a:r>
-          </a:p>
-        </p:txBody>
-      </p:sp>
-      <p:sp>
-        <p:nvSpPr>
-          <p:cNvPr id="3" name="SlideText1"/>
-          <p:cNvSpPr>
-            <a:spLocks noGrp="1" noChangeArrowheads="1"/>
-            <a:extLst>
-              <a:ext uri="smNativeData">
-                <pr:smNativeData xmlns:pr="smNativeData" xmlns="smNativeData" val="SMDATA_16_yvWgZxMAAAAlAAAAZAAAAA8BAAAAkAAAAEgAAACQAAAASAAAAAAAAAAAAAAAAAAAAAEAAABQAAAAAAAAAAAA4D8AAAAAAADgPwAAAAAAAOA/AAAAAAAA4D8AAAAAAADgPwAAAAAAAOA/AAAAAAAA4D8AAAAAAADgPwAAAAAAAOA/AAAAAAAA4D8CAAAAjAAAAAAAAAAAAAAAu+DjDP///wgAAAAAAAAAAAAAAAAAAAAAAAAAAAAAAAAAAAAAZAAAAAEAAABAAAAAAAAAAAAAAAAAAAAAAAAAAAAAAAAAAAAAAAAAAAAAAAAAAAAAAAAAAAAAAAAAAAAAAAAAAAAAAAAAAAAAAAAAAAAAAAAAAAAAAAAAAAAAAAAAAAAAFAAAADwAAAAAAAAAAAAAAAAAAAkUAAAAAQAAABQAAAAUAAAAFAAAAAEAAAAAAAAAZAAAAGQAAAAAAAAAZAAAAGQAAAAVAAAAYAAAAAAAAAAAAAAADwAAACADAAAAAAAAAAAAAAEAAACgMgAAVgcAAKr4//8BAAAAf39/AAEAAABkAAAAAAAAABQAAABAHwAAAAAAACYAAAAAAAAAwOD//wAAAAAmAAAAZAAAABYAAABMAAAAAAAAAAAAAAAEAAAAAAAAAAEAAACAgIAKAAAAACgAAAAoAAAAZAAAAGQAAAAAAAAAzMzMAAAAAABQAAAAUAAAAGQAAABkAAAAAAAAABcAAAAUAAAAAAAAAAAAAAD/fwAA/38AAAAAAAAJAAAABAAAAGICAAAeAAAAaAAAAAAAAAAAAAAAAAAAAAAAAAAAAAAAECcAABAnAAAAAAAAAAAAAAAAAAAAAAAAAAAAAAAAAAAAAAAAAAAAABQAAAAAAAAAwMD/AAAAAABkAAAAMgAAAAAAAABkAAAAAAAAAH9/fwAKAAAAIgAAABgAAAAAAAAAAAAAAAAAAAAAAAAAAAAAAAAAAAAkAAAAJAAAAAAAAAAHAAAAAAAAAAAAAAAAAAAAAAAAAAAAAAAAAAAAf39/ACUAAABYAAAAAAAAAAAAAAAAAAAAAAAAAAAAAAAAAAAAAAAAAAAAAAAAAAAAAAAAAAAAAAA/AAAAAAAAAKCGAQAAAAAAAAAAAAAAAAAMAAAAAQAAAAAAAAAAAAAAAAAAAB8AAABUAAAAAAAABQAAAAEAAAAAAAAAAAAAAAAAAAAAAAAAAAAAAAAAAAAAAAAAAAAAAAJ/f38AAAAAA8zMzADAwP8Af39/AAAAAAAAAAAAAAAAAAAAAAAAAAAAIQAAABgAAAAUAAAAwAMAANgJAABARwAAsCUAAAAAAAAmAAAACAAAAAEAAAAAAAAAMAAAABQAAAAAAAAAAAD//wAAAQAAAP//AAABAA=="/>
-              </a:ext>
-            </a:extLst>
-          </p:cNvSpPr>
-          <p:nvPr>
-            <p:ph type="body" idx="1"/>
           </p:nvPr>
         </p:nvSpPr>
         <p:spPr>
           <a:xfrm>
-            <a:off x="609600" y="1600200"/>
-            <a:ext cx="10972800" cy="4526280"/>
+            <a:off x="609600" y="274320"/>
+            <a:ext cx="10972800" cy="1143000"/>
           </a:xfrm>
         </p:spPr>
+        <p:txBody>
+          <a:bodyPr/>
+          <a:lstStyle/>
+          <a:p>
+            <a:pPr/>
+            <a:r>
+              <a:t>Качество ответов</a:t>
+            </a:r>
+          </a:p>
+        </p:txBody>
+      </p:sp>
+      <p:sp>
+        <p:nvSpPr>
+          <p:cNvPr id="3" name="SlideText1"/>
+          <p:cNvSpPr>
+            <a:spLocks noGrp="1" noChangeArrowheads="1"/>
+            <a:extLst>
+              <a:ext uri="smNativeData">
+                <pr:smNativeData xmlns:pr="smNativeData" xmlns="smNativeData" val="SMDATA_16_D/2gZxMAAAAlAAAAZAAAAA8BAAAAkAAAAEgAAACQAAAASAAAAAAAAAAAAAAAAAAAAAEAAABQAAAAAAAAAAAA4D8AAAAAAADgPwAAAAAAAOA/AAAAAAAA4D8AAAAAAADgPwAAAAAAAOA/AAAAAAAA4D8AAAAAAADgPwAAAAAAAOA/AAAAAAAA4D8CAAAAjAAAAAAAAAAAAAAAu+DjDP///wgAAAAAAAAAAAAAAAAAAAAAAAAAAAAAAAAAAAAAZAAAAAEAAABAAAAAAAAAAAAAAAAAAAAAAAAAAAAAAAAAAAAAAAAAAAAAAAAAAAAAAAAAAAAAAAAAAAAAAAAAAAAAAAAAAAAAAAAAAAAAAAAAAAAAAAAAAAAAAAAAAAAAFAAAADwAAAAAAAAAAAAAAAAAAAkUAAAAAQAAABQAAAAUAAAAFAAAAAEAAAAAAAAAZAAAAGQAAAAAAAAAZAAAAGQAAAAVAAAAYAAAAAAAAAAAAAAADwAAACADAAAAAAAAAAAAAAEAAACgMgAAVgcAAKr4//8BAAAAf39/AAEAAABkAAAAAAAAABQAAABAHwAAAAAAACYAAAAAAAAAwOD//wAAAAAmAAAAZAAAABYAAABMAAAAAAAAAAAAAAAEAAAAAAAAAAEAAACAgIAKAAAAACgAAAAoAAAAZAAAAGQAAAAAAAAAzMzMAAAAAABQAAAAUAAAAGQAAABkAAAAAAAAABcAAAAUAAAAAAAAAAAAAAD/fwAA/38AAAAAAAAJAAAABAAAAGICAAAeAAAAaAAAAAAAAAAAAAAAAAAAAAAAAAAAAAAAECcAABAnAAAAAAAAAAAAAAAAAAAAAAAAAAAAAAAAAAAAAAAAAAAAABQAAAAAAAAAwMD/AAAAAABkAAAAMgAAAAAAAABkAAAAAAAAAH9/fwAKAAAAIgAAABgAAAAAAAAAAAAAAAAAAAAAAAAAAAAAAAAAAAAkAAAAJAAAAAAAAAAHAAAAAAAAAAAAAAAAAAAAAAAAAAAAAAAAAAAAf39/ACUAAABYAAAAAAAAAAAAAAAAAAAAAAAAAAAAAAAAAAAAAAAAAAAAAAAAAAAAAAAAAAAAAAA/AAAAAAAAAKCGAQAAAAAAAAAAAAAAAAAMAAAAAQAAAAAAAAAAAAAAAAAAAB8AAABUAAAAAAAABQAAAAEAAAAAAAAAAAAAAAAAAAAAAAAAAAAAAAAAAAAAAAAAAAAAAAJ/f38AAAAAA8zMzADAwP8Af39/AAAAAAAAAAAAAAAAAAAAAAAAAAAAIQAAABgAAAAUAAAAwAMAANgJAABARwAAsCUAABAAAAAmAAAACAAAAAAAAAAAAAAAMAAAABQAAAAAAAAAAAD//wAAAQAAAP//AAABAA=="/>
+              </a:ext>
+            </a:extLst>
+          </p:cNvSpPr>
+          <p:nvPr>
+            <p:ph type="body" idx="1"/>
+          </p:nvPr>
+        </p:nvSpPr>
+        <p:spPr/>
         <p:txBody>
           <a:bodyPr/>
           <a:lstStyle/>
@@ -4325,7 +4325,7 @@
             <a:spLocks noGrp="1" noChangeArrowheads="1"/>
             <a:extLst>
               <a:ext uri="smNativeData">
-                <pr:smNativeData xmlns:pr="smNativeData" xmlns="smNativeData" val="SMDATA_16_yvWgZxMAAAAlAAAAZAAAAA8BAAAAkAAAAEgAAACQAAAASAAAAAAAAAABAAAAAAAAAAEAAABQAAAAAAAAAAAA4D8AAAAAAADgPwAAAAAAAOA/AAAAAAAA4D8AAAAAAADgPwAAAAAAAOA/AAAAAAAA4D8AAAAAAADgPwAAAAAAAOA/AAAAAAAA4D8CAAAAjAAAAAAAAAAAAAAAu+DjDP///wgAAAAAAAAAAAAAAAAAAAAAAAAAAAAAAAAAAAAAZAAAAAEAAABAAAAAAAAAAAAAAAAAAAAAAAAAAAAAAAAAAAAAAAAAAAAAAAAAAAAAAAAAAAAAAAAAAAAAAAAAAAAAAAAAAAAAAAAAAAAAAAAAAAAAAAAAAAAAAAAAAAAAFAAAADwAAAAAAAAAAAAAAAAAAAkUAAAAAQAAABQAAAAUAAAAFAAAAAEAAAAAAAAAZAAAAGQAAAAAAAAAZAAAAGQAAAAVAAAAYAAAAAAAAAAAAAAADwAAACADAAAAAAAAAAAAAAEAAACgMgAAVgcAAKr4//8BAAAAf39/AAEAAABkAAAAAAAAABQAAABAHwAAAAAAACYAAAAAAAAAwOD//wAAAAAmAAAAZAAAABYAAABMAAAAAAAAAAAAAAAEAAAAAAAAAAEAAACAgIAKAAAAACgAAAAoAAAAZAAAAGQAAAAAAAAAzMzMAAAAAABQAAAAUAAAAGQAAABkAAAAAAAAABcAAAAUAAAAAAAAAAAAAAD/fwAA/38AAAAAAAAJAAAABAAAANEAAAAeAAAAaAAAAAAAAAAAAAAAAAAAAAAAAAAAAAAAECcAABAnAAAAAAAAAAAAAAAAAAAAAAAAAAAAAAAAAAAAAAAAAAAAABQAAAAAAAAAwMD/AAAAAABkAAAAMgAAAAAAAABkAAAAAAAAAH9/fwAKAAAAIgAAABgAAAAAAAAAAAAAAAAAAAAAAAAAAAAAAAAAAAAkAAAAJAAAAAAAAAAHAAAAAAAAAAAAAAAAAAAAAAAAAAAAAAAAAAAAf39/ACUAAABYAAAAAAAAAAAAAAAAAAAAAAAAAAAAAAAAAAAAAAAAAAAAAAAAAAAAAAAAAAAAAAA/AAAAAAAAAKCGAQAAAAAAAAAAAAAAAAAMAAAAAQAAAAAAAAAAAAAAAAAAAB8AAABUAAAAAAAABQAAAAEAAAAAAAAAAAAAAAAAAAAAAAAAAAAAAAAAAAAAAAAAAAAAAAJ/f38AAAAAA8zMzADAwP8Af39/AAAAAAAAAAAAAAAAAAAAAAAAAAAAIQAAABgAAAAUAAAAwAMAALABAABARwAAuAgAABAAAAAmAAAACAAAAAAAAAAAAAAAMAAAABQAAAAAAAAAAAD//wAAAQAAAP//AAABAA=="/>
+                <pr:smNativeData xmlns:pr="smNativeData" xmlns="smNativeData" val="SMDATA_16_D/2gZxMAAAAlAAAAZAAAAA8BAAAAkAAAAEgAAACQAAAASAAAAAAAAAABAAAAAAAAAAEAAABQAAAAAAAAAAAA4D8AAAAAAADgPwAAAAAAAOA/AAAAAAAA4D8AAAAAAADgPwAAAAAAAOA/AAAAAAAA4D8AAAAAAADgPwAAAAAAAOA/AAAAAAAA4D8CAAAAjAAAAAAAAAAAAAAAu+DjDP///wgAAAAAAAAAAAAAAAAAAAAAAAAAAAAAAAAAAAAAZAAAAAEAAABAAAAAAAAAAAAAAAAAAAAAAAAAAAAAAAAAAAAAAAAAAAAAAAAAAAAAAAAAAAAAAAAAAAAAAAAAAAAAAAAAAAAAAAAAAAAAAAAAAAAAAAAAAAAAAAAAAAAAFAAAADwAAAAAAAAAAAAAAAAAAAkUAAAAAQAAABQAAAAUAAAAFAAAAAEAAAAAAAAAZAAAAGQAAAAAAAAAZAAAAGQAAAAVAAAAYAAAAAAAAAAAAAAADwAAACADAAAAAAAAAAAAAAEAAACgMgAAVgcAAKr4//8BAAAAf39/AAEAAABkAAAAAAAAABQAAABAHwAAAAAAACYAAAAAAAAAwOD//wAAAAAmAAAAZAAAABYAAABMAAAAAAAAAAAAAAAEAAAAAAAAAAEAAACAgIAKAAAAACgAAAAoAAAAZAAAAGQAAAAAAAAAzMzMAAAAAABQAAAAUAAAAGQAAABkAAAAAAAAABcAAAAUAAAAAAAAAAAAAAD/fwAA/38AAAAAAAAJAAAABAAAANEAAAAeAAAAaAAAAAAAAAAAAAAAAAAAAAAAAAAAAAAAECcAABAnAAAAAAAAAAAAAAAAAAAAAAAAAAAAAAAAAAAAAAAAAAAAABQAAAAAAAAAwMD/AAAAAABkAAAAMgAAAAAAAABkAAAAAAAAAH9/fwAKAAAAIgAAABgAAAAAAAAAAAAAAAAAAAAAAAAAAAAAAAAAAAAkAAAAJAAAAAAAAAAHAAAAAAAAAAAAAAAAAAAAAAAAAAAAAAAAAAAAf39/ACUAAABYAAAAAAAAAAAAAAAAAAAAAAAAAAAAAAAAAAAAAAAAAAAAAAAAAAAAAAAAAAAAAAA/AAAAAAAAAKCGAQAAAAAAAAAAAAAAAAAMAAAAAQAAAAAAAAAAAAAAAAAAAB8AAABUAAAAAAAABQAAAAEAAAAAAAAAAAAAAAAAAAAAAAAAAAAAAAAAAAAAAAAAAAAAAAJ/f38AAAAAA8zMzADAwP8Af39/AAAAAAAAAAAAAAAAAAAAAAAAAAAAIQAAABgAAAAUAAAAwAMAALABAABARwAAuAgAABAAAAAmAAAACAAAAAAAAAAAAAAAMAAAABQAAAAAAAAAAAD//wAAAQAAAP//AAABAA=="/>
               </a:ext>
             </a:extLst>
           </p:cNvSpPr>
@@ -4352,7 +4352,7 @@
             <a:spLocks noGrp="1" noChangeArrowheads="1"/>
             <a:extLst>
               <a:ext uri="smNativeData">
-                <pr:smNativeData xmlns:pr="smNativeData" xmlns="smNativeData" val="SMDATA_16_yvWgZxMAAAAlAAAAZAAAAA8BAAAAkAAAAEgAAACQAAAASAAAAAAAAAAAAAAAAAAAAAEAAABQAAAAAAAAAAAA4D8AAAAAAADgPwAAAAAAAOA/AAAAAAAA4D8AAAAAAADgPwAAAAAAAOA/AAAAAAAA4D8AAAAAAADgPwAAAAAAAOA/AAAAAAAA4D8CAAAAjAAAAAAAAAAAAAAAu+DjDP///wgAAAAAAAAAAAAAAAAAAAAAAAAAAAAAAAAAAAAAZAAAAAEAAABAAAAAAAAAAAAAAAAAAAAAAAAAAAAAAAAAAAAAAAAAAAAAAAAAAAAAAAAAAAAAAAAAAAAAAAAAAAAAAAAAAAAAAAAAAAAAAAAAAAAAAAAAAAAAAAAAAAAAFAAAADwAAAAAAAAAAAAAAAAAAAkUAAAAAQAAABQAAAAUAAAAFAAAAAEAAAAAAAAAZAAAAGQAAAAAAAAAZAAAAGQAAAAVAAAAYAAAAAAAAAAAAAAADwAAACADAAAAAAAAAAAAAAEAAACgMgAAVgcAAKr4//8BAAAAf39/AAEAAABkAAAAAAAAABQAAABAHwAAAAAAACYAAAAAAAAAwOD//wAAAAAmAAAAZAAAABYAAABMAAAAAAAAAAAAAAAEAAAAAAAAAAEAAACAgIAKAAAAACgAAAAoAAAAZAAAAGQAAAAAAAAAzMzMAAAAAABQAAAAUAAAAGQAAABkAAAAAAAAABcAAAAUAAAAAAAAAAAAAAD/fwAA/38AAAAAAAAJAAAABAAAAO8CAAAeAAAAaAAAAAAAAAAAAAAAAAAAAAAAAAAAAAAAECcAABAnAAAAAAAAAAAAAAAAAAAAAAAAAAAAAAAAAAAAAAAAAAAAABQAAAAAAAAAwMD/AAAAAABkAAAAMgAAAAAAAABkAAAAAAAAAH9/fwAKAAAAIgAAABgAAAAAAAAAAAAAAAAAAAAAAAAAAAAAAAAAAAAkAAAAJAAAAAAAAAAHAAAAAAAAAAAAAAAAAAAAAAAAAAAAAAAAAAAAf39/ACUAAABYAAAAAAAAAAAAAAAAAAAAAAAAAAAAAAAAAAAAAAAAAAAAAAAAAAAAAAAAAAAAAAA/AAAAAAAAAKCGAQAAAAAAAAAAAAAAAAAMAAAAAQAAAAAAAAAAAAAAAAAAAB8AAABUAAAAAAAABQAAAAEAAAAAAAAAAAAAAAAAAAAAAAAAAAAAAAAAAAAAAAAAAAAAAAJ/f38AAAAAA8zMzADAwP8Af39/AAAAAAAAAAAAAAAAAAAAAAAAAAAAIQAAABgAAAAUAAAAwAMAANgJAABARwAAsCUAABAAAAAmAAAACAAAAAAAAAAAAAAAMAAAABQAAAAAAAAAAAD//wAAAQAAAP//AAABAA=="/>
+                <pr:smNativeData xmlns:pr="smNativeData" xmlns="smNativeData" val="SMDATA_16_D/2gZxMAAAAlAAAAZAAAAA8BAAAAkAAAAEgAAACQAAAASAAAAAAAAAAAAAAAAAAAAAEAAABQAAAAAAAAAAAA4D8AAAAAAADgPwAAAAAAAOA/AAAAAAAA4D8AAAAAAADgPwAAAAAAAOA/AAAAAAAA4D8AAAAAAADgPwAAAAAAAOA/AAAAAAAA4D8CAAAAjAAAAAAAAAAAAAAAu+DjDP///wgAAAAAAAAAAAAAAAAAAAAAAAAAAAAAAAAAAAAAZAAAAAEAAABAAAAAAAAAAAAAAAAAAAAAAAAAAAAAAAAAAAAAAAAAAAAAAAAAAAAAAAAAAAAAAAAAAAAAAAAAAAAAAAAAAAAAAAAAAAAAAAAAAAAAAAAAAAAAAAAAAAAAFAAAADwAAAAAAAAAAAAAAAAAAAkUAAAAAQAAABQAAAAUAAAAFAAAAAEAAAAAAAAAZAAAAGQAAAAAAAAAZAAAAGQAAAAVAAAAYAAAAAAAAAAAAAAADwAAACADAAAAAAAAAAAAAAEAAACgMgAAVgcAAKr4//8BAAAAf39/AAEAAABkAAAAAAAAABQAAABAHwAAAAAAACYAAAAAAAAAwOD//wAAAAAmAAAAZAAAABYAAABMAAAAAAAAAAAAAAAEAAAAAAAAAAEAAACAgIAKAAAAACgAAAAoAAAAZAAAAGQAAAAAAAAAzMzMAAAAAABQAAAAUAAAAGQAAABkAAAAAAAAABcAAAAUAAAAAAAAAAAAAAD/fwAA/38AAAAAAAAJAAAABAAAAO8CAAAeAAAAaAAAAAAAAAAAAAAAAAAAAAAAAAAAAAAAECcAABAnAAAAAAAAAAAAAAAAAAAAAAAAAAAAAAAAAAAAAAAAAAAAABQAAAAAAAAAwMD/AAAAAABkAAAAMgAAAAAAAABkAAAAAAAAAH9/fwAKAAAAIgAAABgAAAAAAAAAAAAAAAAAAAAAAAAAAAAAAAAAAAAkAAAAJAAAAAAAAAAHAAAAAAAAAAAAAAAAAAAAAAAAAAAAAAAAAAAAf39/ACUAAABYAAAAAAAAAAAAAAAAAAAAAAAAAAAAAAAAAAAAAAAAAAAAAAAAAAAAAAAAAAAAAAA/AAAAAAAAAKCGAQAAAAAAAAAAAAAAAAAMAAAAAQAAAAAAAAAAAAAAAAAAAB8AAABUAAAAAAAABQAAAAEAAAAAAAAAAAAAAAAAAAAAAAAAAAAAAAAAAAAAAAAAAAAAAAJ/f38AAAAAA8zMzADAwP8Af39/AAAAAAAAAAAAAAAAAAAAAAAAAAAAIQAAABgAAAAUAAAAwAMAANgJAABARwAAsCUAABAAAAAmAAAACAAAAAAAAAAAAAAAMAAAABQAAAAAAAAAAAD//wAAAQAAAP//AAABAA=="/>
               </a:ext>
             </a:extLst>
           </p:cNvSpPr>
@@ -4413,47 +4413,47 @@
             <a:spLocks noGrp="1" noChangeArrowheads="1"/>
             <a:extLst>
               <a:ext uri="smNativeData">
-                <pr:smNativeData xmlns:pr="smNativeData" xmlns="smNativeData" val="SMDATA_16_yvWgZxMAAAAlAAAAZAAAAA8BAAAAkAAAAEgAAACQAAAASAAAAAAAAAABAAAAAAAAAAEAAABQAAAAAAAAAAAA4D8AAAAAAADgPwAAAAAAAOA/AAAAAAAA4D8AAAAAAADgPwAAAAAAAOA/AAAAAAAA4D8AAAAAAADgPwAAAAAAAOA/AAAAAAAA4D8CAAAAjAAAAAAAAAAAAAAAu+DjDP///wgAAAAAAAAAAAAAAAAAAAAAAAAAAAAAAAAAAAAAZAAAAAEAAABAAAAAAAAAAAAAAAAAAAAAAAAAAAAAAAAAAAAAAAAAAAAAAAAAAAAAAAAAAAAAAAAAAAAAAAAAAAAAAAAAAAAAAAAAAAAAAAAAAAAAAAAAAAAAAAAAAAAAFAAAADwAAAAAAAAAAAAAAAAAAAkUAAAAAQAAABQAAAAUAAAAFAAAAAEAAAAAAAAAZAAAAGQAAAAAAAAAZAAAAGQAAAAVAAAAYAAAAAAAAAAAAAAADwAAACADAAAAAAAAAAAAAAEAAACgMgAAVgcAAKr4//8BAAAAf39/AAEAAABkAAAAAAAAABQAAABAHwAAAAAAACYAAAAAAAAAwOD//wAAAAAmAAAAZAAAABYAAABMAAAAAAAAAAAAAAAEAAAAAAAAAAEAAACAgIAKAAAAACgAAAAoAAAAZAAAAGQAAAAAAAAAzMzMAAAAAABQAAAAUAAAAGQAAABkAAAAAAAAABcAAAAUAAAAAAAAAAAAAAD/fwAA/38AAAAAAAAJAAAABAAAANEAAAAeAAAAaAAAAAAAAAAAAAAAAAAAAAAAAAAAAAAAECcAABAnAAAAAAAAAAAAAAAAAAAAAAAAAAAAAAAAAAAAAAAAAAAAABQAAAAAAAAAwMD/AAAAAABkAAAAMgAAAAAAAABkAAAAAAAAAH9/fwAKAAAAIgAAABgAAAAAAAAAAAAAAAAAAAAAAAAAAAAAAAAAAAAkAAAAJAAAAAAAAAAHAAAAAAAAAAAAAAAAAAAAAAAAAAAAAAAAAAAAf39/ACUAAABYAAAAAAAAAAAAAAAAAAAAAAAAAAAAAAAAAAAAAAAAAAAAAAAAAAAAAAAAAAAAAAA/AAAAAAAAAKCGAQAAAAAAAAAAAAAAAAAMAAAAAQAAAAAAAAAAAAAAAAAAAB8AAABUAAAAAAAABQAAAAEAAAAAAAAAAAAAAAAAAAAAAAAAAAAAAAAAAAAAAAAAAAAAAAJ/f38AAAAAA8zMzADAwP8Af39/AAAAAAAAAAAAAAAAAAAAAAAAAAAAIQAAABgAAAAUAAAAwAMAALABAABARwAAuAgAABAAAAAmAAAACAAAAAAAAAAAAAAAMAAAABQAAAAAAAAAAAD//wAAAQAAAP//AAABAA=="/>
+                <pr:smNativeData xmlns:pr="smNativeData" xmlns="smNativeData" val="SMDATA_16_D/2gZxMAAAAlAAAAZAAAAA8BAAAAkAAAAEgAAACQAAAASAAAAAAAAAABAAAAAAAAAAEAAABQAAAAAAAAAAAA4D8AAAAAAADgPwAAAAAAAOA/AAAAAAAA4D8AAAAAAADgPwAAAAAAAOA/AAAAAAAA4D8AAAAAAADgPwAAAAAAAOA/AAAAAAAA4D8CAAAAjAAAAAAAAAAAAAAAu+DjDP///wgAAAAAAAAAAAAAAAAAAAAAAAAAAAAAAAAAAAAAZAAAAAEAAABAAAAAAAAAAAAAAAAAAAAAAAAAAAAAAAAAAAAAAAAAAAAAAAAAAAAAAAAAAAAAAAAAAAAAAAAAAAAAAAAAAAAAAAAAAAAAAAAAAAAAAAAAAAAAAAAAAAAAFAAAADwAAAAAAAAAAAAAAAAAAAkUAAAAAQAAABQAAAAUAAAAFAAAAAEAAAAAAAAAZAAAAGQAAAAAAAAAZAAAAGQAAAAVAAAAYAAAAAAAAAAAAAAADwAAACADAAAAAAAAAAAAAAEAAACgMgAAVgcAAKr4//8BAAAAf39/AAEAAABkAAAAAAAAABQAAABAHwAAAAAAACYAAAAAAAAAwOD//wAAAAAmAAAAZAAAABYAAABMAAAAAAAAAAAAAAAEAAAAAAAAAAEAAACAgIAKAAAAACgAAAAoAAAAZAAAAGQAAAAAAAAAzMzMAAAAAABQAAAAUAAAAGQAAABkAAAAAAAAABcAAAAUAAAAAAAAAAAAAAD/fwAA/38AAAAAAAAJAAAABAAAANEAAAAeAAAAaAAAAAAAAAAAAAAAAAAAAAAAAAAAAAAAECcAABAnAAAAAAAAAAAAAAAAAAAAAAAAAAAAAAAAAAAAAAAAAAAAABQAAAAAAAAAwMD/AAAAAABkAAAAMgAAAAAAAABkAAAAAAAAAH9/fwAKAAAAIgAAABgAAAAAAAAAAAAAAAAAAAAAAAAAAAAAAAAAAAAkAAAAJAAAAAAAAAAHAAAAAAAAAAAAAAAAAAAAAAAAAAAAAAAAAAAAf39/ACUAAABYAAAAAAAAAAAAAAAAAAAAAAAAAAAAAAAAAAAAAAAAAAAAAAAAAAAAAAAAAAAAAAA/AAAAAAAAAKCGAQAAAAAAAAAAAAAAAAAMAAAAAQAAAAAAAAAAAAAAAAAAAB8AAABUAAAAAAAABQAAAAEAAAAAAAAAAAAAAAAAAAAAAAAAAAAAAAAAAAAAAAAAAAAAAAJ/f38AAAAAA8zMzADAwP8Af39/AAAAAAAAAAAAAAAAAAAAAAAAAAAAIQAAABgAAAAUAAAAwAMAALABAABARwAAuAgAAAAAAAAmAAAACAAAAAEAAAAAAAAAMAAAABQAAAAAAAAAAAD//wAAAQAAAP//AAABAA=="/>
               </a:ext>
             </a:extLst>
           </p:cNvSpPr>
           <p:nvPr>
             <p:ph type="title"/>
-          </p:nvPr>
-        </p:nvSpPr>
-        <p:spPr/>
-        <p:txBody>
-          <a:bodyPr/>
-          <a:lstStyle/>
-          <a:p>
-            <a:pPr/>
-            <a:r>
-              <a:t>Доля верных ответов</a:t>
-            </a:r>
-          </a:p>
-        </p:txBody>
-      </p:sp>
-      <p:sp>
-        <p:nvSpPr>
-          <p:cNvPr id="3" name="SlideText1"/>
-          <p:cNvSpPr>
-            <a:spLocks noGrp="1" noChangeArrowheads="1"/>
-            <a:extLst>
-              <a:ext uri="smNativeData">
-                <pr:smNativeData xmlns:pr="smNativeData" xmlns="smNativeData" val="SMDATA_16_yvWgZxMAAAAlAAAAZAAAAA8BAAAAkAAAAEgAAACQAAAASAAAAAAAAAAAAAAAAAAAAAEAAABQAAAAAAAAAAAA4D8AAAAAAADgPwAAAAAAAOA/AAAAAAAA4D8AAAAAAADgPwAAAAAAAOA/AAAAAAAA4D8AAAAAAADgPwAAAAAAAOA/AAAAAAAA4D8CAAAAjAAAAAAAAAAAAAAAu+DjDP///wgAAAAAAAAAAAAAAAAAAAAAAAAAAAAAAAAAAAAAZAAAAAEAAABAAAAAAAAAAAAAAAAAAAAAAAAAAAAAAAAAAAAAAAAAAAAAAAAAAAAAAAAAAAAAAAAAAAAAAAAAAAAAAAAAAAAAAAAAAAAAAAAAAAAAAAAAAAAAAAAAAAAAFAAAADwAAAAAAAAAAAAAAAAAAAkUAAAAAQAAABQAAAAUAAAAFAAAAAEAAAAAAAAAZAAAAGQAAAAAAAAAZAAAAGQAAAAVAAAAYAAAAAAAAAAAAAAADwAAACADAAAAAAAAAAAAAAEAAACgMgAAVgcAAKr4//8BAAAAf39/AAEAAABkAAAAAAAAABQAAABAHwAAAAAAACYAAAAAAAAAwOD//wAAAAAmAAAAZAAAABYAAABMAAAAAAAAAAAAAAAEAAAAAAAAAAEAAACAgIAKAAAAACgAAAAoAAAAZAAAAGQAAAAAAAAAzMzMAAAAAABQAAAAUAAAAGQAAABkAAAAAAAAABcAAAAUAAAAAAAAAAAAAAD/fwAA/38AAAAAAAAJAAAABAAAAD0iLTUeAAAAaAAAAAAAAAAAAAAAAAAAAAAAAAAAAAAAECcAABAnAAAAAAAAAAAAAAAAAAAAAAAAAAAAAAAAAAAAAAAAAAAAABQAAAAAAAAAwMD/AAAAAABkAAAAMgAAAAAAAABkAAAAAAAAAH9/fwAKAAAAIgAAABgAAAAAAAAAAAAAAAAAAAAAAAAAAAAAAAAAAAAkAAAAJAAAAAAAAAAHAAAAAAAAAAAAAAAAAAAAAAAAAAAAAAAAAAAAf39/ACUAAABYAAAAAAAAAAAAAAAAAAAAAAAAAAAAAAAAAAAAAAAAAAAAAAAAAAAAAAAAAAAAAAA/AAAAAAAAAKCGAQAAAAAAAAAAAAAAAAAMAAAAAQAAAAAAAAAAAAAAAAAAAB8AAABUAAAAAAAABQAAAAEAAAAAAAAAAAAAAAAAAAAAAAAAAAAAAAAAAAAAAAAAAAAAAAJ/f38AAAAAA8zMzADAwP8Af39/AAAAAAAAAAAAAAAAAAAAAAAAAAAAIQAAABgAAAAUAAAAwAMAANgJAABARwAAsCUAAAAAAAAmAAAACAAAAAEAAAAAAAAAMAAAABQAAAAAAAAAAAD//wAAAQAAAP//AAABAA=="/>
-              </a:ext>
-            </a:extLst>
-          </p:cNvSpPr>
-          <p:nvPr>
-            <p:ph type="body" idx="1"/>
           </p:nvPr>
         </p:nvSpPr>
         <p:spPr>
           <a:xfrm>
-            <a:off x="609600" y="1600200"/>
-            <a:ext cx="10972800" cy="4526280"/>
+            <a:off x="609600" y="274320"/>
+            <a:ext cx="10972800" cy="1143000"/>
           </a:xfrm>
         </p:spPr>
+        <p:txBody>
+          <a:bodyPr/>
+          <a:lstStyle/>
+          <a:p>
+            <a:pPr/>
+            <a:r>
+              <a:t>Качество ответов</a:t>
+            </a:r>
+          </a:p>
+        </p:txBody>
+      </p:sp>
+      <p:sp>
+        <p:nvSpPr>
+          <p:cNvPr id="3" name="SlideText1"/>
+          <p:cNvSpPr>
+            <a:spLocks noGrp="1" noChangeArrowheads="1"/>
+            <a:extLst>
+              <a:ext uri="smNativeData">
+                <pr:smNativeData xmlns:pr="smNativeData" xmlns="smNativeData" val="SMDATA_16_D/2gZxMAAAAlAAAAZAAAAA8BAAAAkAAAAEgAAACQAAAASAAAAAAAAAAAAAAAAAAAAAEAAABQAAAAAAAAAAAA4D8AAAAAAADgPwAAAAAAAOA/AAAAAAAA4D8AAAAAAADgPwAAAAAAAOA/AAAAAAAA4D8AAAAAAADgPwAAAAAAAOA/AAAAAAAA4D8CAAAAjAAAAAAAAAAAAAAAu+DjDP///wgAAAAAAAAAAAAAAAAAAAAAAAAAAAAAAAAAAAAAZAAAAAEAAABAAAAAAAAAAAAAAAAAAAAAAAAAAAAAAAAAAAAAAAAAAAAAAAAAAAAAAAAAAAAAAAAAAAAAAAAAAAAAAAAAAAAAAAAAAAAAAAAAAAAAAAAAAAAAAAAAAAAAFAAAADwAAAAAAAAAAAAAAAAAAAkUAAAAAQAAABQAAAAUAAAAFAAAAAEAAAAAAAAAZAAAAGQAAAAAAAAAZAAAAGQAAAAVAAAAYAAAAAAAAAAAAAAADwAAACADAAAAAAAAAAAAAAEAAACgMgAAVgcAAKr4//8BAAAAf39/AAEAAABkAAAAAAAAABQAAABAHwAAAAAAACYAAAAAAAAAwOD//wAAAAAmAAAAZAAAABYAAABMAAAAAAAAAAAAAAAEAAAAAAAAAAEAAACAgIAKAAAAACgAAAAoAAAAZAAAAGQAAAAAAAAAzMzMAAAAAABQAAAAUAAAAGQAAABkAAAAAAAAABcAAAAUAAAAAAAAAAAAAAD/fwAA/38AAAAAAAAJAAAABAAAAD0iLTUeAAAAaAAAAAAAAAAAAAAAAAAAAAAAAAAAAAAAECcAABAnAAAAAAAAAAAAAAAAAAAAAAAAAAAAAAAAAAAAAAAAAAAAABQAAAAAAAAAwMD/AAAAAABkAAAAMgAAAAAAAABkAAAAAAAAAH9/fwAKAAAAIgAAABgAAAAAAAAAAAAAAAAAAAAAAAAAAAAAAAAAAAAkAAAAJAAAAAAAAAAHAAAAAAAAAAAAAAAAAAAAAAAAAAAAAAAAAAAAf39/ACUAAABYAAAAAAAAAAAAAAAAAAAAAAAAAAAAAAAAAAAAAAAAAAAAAAAAAAAAAAAAAAAAAAA/AAAAAAAAAKCGAQAAAAAAAAAAAAAAAAAMAAAAAQAAAAAAAAAAAAAAAAAAAB8AAABUAAAAAAAABQAAAAEAAAAAAAAAAAAAAAAAAAAAAAAAAAAAAAAAAAAAAAAAAAAAAAJ/f38AAAAAA8zMzADAwP8Af39/AAAAAAAAAAAAAAAAAAAAAAAAAAAAIQAAABgAAAAUAAAAwAMAANgJAABARwAAsCUAABAAAAAmAAAACAAAAAAAAAAAAAAAMAAAABQAAAAAAAAAAAD//wAAAQAAAP//AAABAA=="/>
+              </a:ext>
+            </a:extLst>
+          </p:cNvSpPr>
+          <p:nvPr>
+            <p:ph type="body" idx="1"/>
+          </p:nvPr>
+        </p:nvSpPr>
+        <p:spPr/>
         <p:txBody>
           <a:bodyPr/>
           <a:lstStyle/>
@@ -4543,7 +4543,7 @@
             <a:spLocks noGrp="1" noChangeArrowheads="1"/>
             <a:extLst>
               <a:ext uri="smNativeData">
-                <pr:smNativeData xmlns:pr="smNativeData" xmlns="smNativeData" val="SMDATA_16_yvWgZxMAAAAlAAAAZAAAAA8BAAAAkAAAAEgAAACQAAAASAAAAAAAAAABAAAAAAAAAAEAAABQAAAAAAAAAAAA4D8AAAAAAADgPwAAAAAAAOA/AAAAAAAA4D8AAAAAAADgPwAAAAAAAOA/AAAAAAAA4D8AAAAAAADgPwAAAAAAAOA/AAAAAAAA4D8CAAAAjAAAAAAAAAAAAAAAu+DjDP///wgAAAAAAAAAAAAAAAAAAAAAAAAAAAAAAAAAAAAAZAAAAAEAAABAAAAAAAAAAAAAAAAAAAAAAAAAAAAAAAAAAAAAAAAAAAAAAAAAAAAAAAAAAAAAAAAAAAAAAAAAAAAAAAAAAAAAAAAAAAAAAAAAAAAAAAAAAAAAAAAAAAAAFAAAADwAAAAAAAAAAAAAAAAAAAkUAAAAAQAAABQAAAAUAAAAFAAAAAEAAAAAAAAAZAAAAGQAAAAAAAAAZAAAAGQAAAAVAAAAYAAAAAAAAAAAAAAADwAAACADAAAAAAAAAAAAAAEAAACgMgAAVgcAAKr4//8BAAAAf39/AAEAAABkAAAAAAAAABQAAABAHwAAAAAAACYAAAAAAAAAwOD//wAAAAAmAAAAZAAAABYAAABMAAAAAAAAAAAAAAAEAAAAAAAAAAEAAACAgIAKAAAAACgAAAAoAAAAZAAAAGQAAAAAAAAAzMzMAAAAAABQAAAAUAAAAGQAAABkAAAAAAAAABcAAAAUAAAAAAAAAAAAAAD/fwAA/38AAAAAAAAJAAAABAAAANEAAAAeAAAAaAAAAAAAAAAAAAAAAAAAAAAAAAAAAAAAECcAABAnAAAAAAAAAAAAAAAAAAAAAAAAAAAAAAAAAAAAAAAAAAAAABQAAAAAAAAAwMD/AAAAAABkAAAAMgAAAAAAAABkAAAAAAAAAH9/fwAKAAAAIgAAABgAAAAAAAAAAAAAAAAAAAAAAAAAAAAAAAAAAAAkAAAAJAAAAAAAAAAHAAAAAAAAAAAAAAAAAAAAAAAAAAAAAAAAAAAAf39/ACUAAABYAAAAAAAAAAAAAAAAAAAAAAAAAAAAAAAAAAAAAAAAAAAAAAAAAAAAAAAAAAAAAAA/AAAAAAAAAKCGAQAAAAAAAAAAAAAAAAAMAAAAAQAAAAAAAAAAAAAAAAAAAB8AAABUAAAAAAAABQAAAAEAAAAAAAAAAAAAAAAAAAAAAAAAAAAAAAAAAAAAAAAAAAAAAAJ/f38AAAAAA8zMzADAwP8Af39/AAAAAAAAAAAAAAAAAAAAAAAAAAAAIQAAABgAAAAUAAAAwAMAALABAABARwAAuAgAABAAAAAmAAAACAAAAAAAAAAAAAAAMAAAABQAAAAAAAAAAAD//wAAAQAAAP//AAABAA=="/>
+                <pr:smNativeData xmlns:pr="smNativeData" xmlns="smNativeData" val="SMDATA_16_D/2gZxMAAAAlAAAAZAAAAA8BAAAAkAAAAEgAAACQAAAASAAAAAAAAAABAAAAAAAAAAEAAABQAAAAAAAAAAAA4D8AAAAAAADgPwAAAAAAAOA/AAAAAAAA4D8AAAAAAADgPwAAAAAAAOA/AAAAAAAA4D8AAAAAAADgPwAAAAAAAOA/AAAAAAAA4D8CAAAAjAAAAAAAAAAAAAAAu+DjDP///wgAAAAAAAAAAAAAAAAAAAAAAAAAAAAAAAAAAAAAZAAAAAEAAABAAAAAAAAAAAAAAAAAAAAAAAAAAAAAAAAAAAAAAAAAAAAAAAAAAAAAAAAAAAAAAAAAAAAAAAAAAAAAAAAAAAAAAAAAAAAAAAAAAAAAAAAAAAAAAAAAAAAAFAAAADwAAAAAAAAAAAAAAAAAAAkUAAAAAQAAABQAAAAUAAAAFAAAAAEAAAAAAAAAZAAAAGQAAAAAAAAAZAAAAGQAAAAVAAAAYAAAAAAAAAAAAAAADwAAACADAAAAAAAAAAAAAAEAAACgMgAAVgcAAKr4//8BAAAAf39/AAEAAABkAAAAAAAAABQAAABAHwAAAAAAACYAAAAAAAAAwOD//wAAAAAmAAAAZAAAABYAAABMAAAAAAAAAAAAAAAEAAAAAAAAAAEAAACAgIAKAAAAACgAAAAoAAAAZAAAAGQAAAAAAAAAzMzMAAAAAABQAAAAUAAAAGQAAABkAAAAAAAAABcAAAAUAAAAAAAAAAAAAAD/fwAA/38AAAAAAAAJAAAABAAAANEAAAAeAAAAaAAAAAAAAAAAAAAAAAAAAAAAAAAAAAAAECcAABAnAAAAAAAAAAAAAAAAAAAAAAAAAAAAAAAAAAAAAAAAAAAAABQAAAAAAAAAwMD/AAAAAABkAAAAMgAAAAAAAABkAAAAAAAAAH9/fwAKAAAAIgAAABgAAAAAAAAAAAAAAAAAAAAAAAAAAAAAAAAAAAAkAAAAJAAAAAAAAAAHAAAAAAAAAAAAAAAAAAAAAAAAAAAAAAAAAAAAf39/ACUAAABYAAAAAAAAAAAAAAAAAAAAAAAAAAAAAAAAAAAAAAAAAAAAAAAAAAAAAAAAAAAAAAA/AAAAAAAAAKCGAQAAAAAAAAAAAAAAAAAMAAAAAQAAAAAAAAAAAAAAAAAAAB8AAABUAAAAAAAABQAAAAEAAAAAAAAAAAAAAAAAAAAAAAAAAAAAAAAAAAAAAAAAAAAAAAJ/f38AAAAAA8zMzADAwP8Af39/AAAAAAAAAAAAAAAAAAAAAAAAAAAAIQAAABgAAAAUAAAAwAMAALABAABARwAAuAgAABAAAAAmAAAACAAAAAAAAAAAAAAAMAAAABQAAAAAAAAAAAD//wAAAQAAAP//AAABAA=="/>
               </a:ext>
             </a:extLst>
           </p:cNvSpPr>
@@ -4570,7 +4570,7 @@
             <a:spLocks noGrp="1" noChangeArrowheads="1"/>
             <a:extLst>
               <a:ext uri="smNativeData">
-                <pr:smNativeData xmlns:pr="smNativeData" xmlns="smNativeData" val="SMDATA_16_yvWgZxMAAAAlAAAAZAAAAA8BAAAAkAAAAEgAAACQAAAASAAAAAAAAAAAAAAAAAAAAAEAAABQAAAAAAAAAAAA4D8AAAAAAADgPwAAAAAAAOA/AAAAAAAA4D8AAAAAAADgPwAAAAAAAOA/AAAAAAAA4D8AAAAAAADgPwAAAAAAAOA/AAAAAAAA4D8CAAAAjAAAAAAAAAAAAAAAu+DjDP///wgAAAAAAAAAAAAAAAAAAAAAAAAAAAAAAAAAAAAAZAAAAAEAAABAAAAAAAAAAAAAAAAAAAAAAAAAAAAAAAAAAAAAAAAAAAAAAAAAAAAAAAAAAAAAAAAAAAAAAAAAAAAAAAAAAAAAAAAAAAAAAAAAAAAAAAAAAAAAAAAAAAAAFAAAADwAAAAAAAAAAAAAAAAAAAkUAAAAAQAAABQAAAAUAAAAFAAAAAEAAAAAAAAAZAAAAGQAAAAAAAAAZAAAAGQAAAAVAAAAYAAAAAAAAAAAAAAADwAAACADAAAAAAAAAAAAAAEAAACgMgAAVgcAAKr4//8BAAAAf39/AAEAAABkAAAAAAAAABQAAABAHwAAAAAAACYAAAAAAAAAwOD//wAAAAAmAAAAZAAAABYAAABMAAAAAAAAAAAAAAAEAAAAAAAAAAEAAACAgIAKAAAAACgAAAAoAAAAZAAAAGQAAAAAAAAAzMzMAAAAAABQAAAAUAAAAGQAAABkAAAAAAAAABcAAAAUAAAAAAAAAAAAAAD/fwAA/38AAAAAAAAJAAAABAAAAAAAAAAeAAAAaAAAAAAAAAAAAAAAAAAAAAAAAAAAAAAAECcAABAnAAAAAAAAAAAAAAAAAAAAAAAAAAAAAAAAAAAAAAAAAAAAABQAAAAAAAAAwMD/AAAAAABkAAAAMgAAAAAAAABkAAAAAAAAAH9/fwAKAAAAIgAAABgAAAAAAAAAAAAAAAAAAAAAAAAAAAAAAAAAAAAkAAAAJAAAAAAAAAAHAAAAAAAAAAAAAAAAAAAAAAAAAAAAAAAAAAAAf39/ACUAAABYAAAAAAAAAAAAAAAAAAAAAAAAAAAAAAAAAAAAAAAAAAAAAAAAAAAAAAAAAAAAAAA/AAAAAAAAAKCGAQAAAAAAAAAAAAAAAAAMAAAAAQAAAAAAAAAAAAAAAAAAAB8AAABUAAAAAAAABQAAAAEAAAAAAAAAAAAAAAAAAAAAAAAAAAAAAAAAAAAAAAAAAAAAAAJ/f38AAAAAA8zMzADAwP8Af39/AAAAAAAAAAAAAAAAAAAAAAAAAAAAIQAAABgAAAAUAAAAwAMAANgJAABARwAAsCUAABAAAAAmAAAACAAAAAAAAAAAAAAAMAAAABQAAAAAAAAAAAD//wAAAQAAAP//AAABAA=="/>
+                <pr:smNativeData xmlns:pr="smNativeData" xmlns="smNativeData" val="SMDATA_16_D/2gZxMAAAAlAAAAZAAAAA8BAAAAkAAAAEgAAACQAAAASAAAAAAAAAAAAAAAAAAAAAEAAABQAAAAAAAAAAAA4D8AAAAAAADgPwAAAAAAAOA/AAAAAAAA4D8AAAAAAADgPwAAAAAAAOA/AAAAAAAA4D8AAAAAAADgPwAAAAAAAOA/AAAAAAAA4D8CAAAAjAAAAAAAAAAAAAAAu+DjDP///wgAAAAAAAAAAAAAAAAAAAAAAAAAAAAAAAAAAAAAZAAAAAEAAABAAAAAAAAAAAAAAAAAAAAAAAAAAAAAAAAAAAAAAAAAAAAAAAAAAAAAAAAAAAAAAAAAAAAAAAAAAAAAAAAAAAAAAAAAAAAAAAAAAAAAAAAAAAAAAAAAAAAAFAAAADwAAAAAAAAAAAAAAAAAAAkUAAAAAQAAABQAAAAUAAAAFAAAAAEAAAAAAAAAZAAAAGQAAAAAAAAAZAAAAGQAAAAVAAAAYAAAAAAAAAAAAAAADwAAACADAAAAAAAAAAAAAAEAAACgMgAAVgcAAKr4//8BAAAAf39/AAEAAABkAAAAAAAAABQAAABAHwAAAAAAACYAAAAAAAAAwOD//wAAAAAmAAAAZAAAABYAAABMAAAAAAAAAAAAAAAEAAAAAAAAAAEAAACAgIAKAAAAACgAAAAoAAAAZAAAAGQAAAAAAAAAzMzMAAAAAABQAAAAUAAAAGQAAABkAAAAAAAAABcAAAAUAAAAAAAAAAAAAAD/fwAA/38AAAAAAAAJAAAABAAAAAAAAAAeAAAAaAAAAAAAAAAAAAAAAAAAAAAAAAAAAAAAECcAABAnAAAAAAAAAAAAAAAAAAAAAAAAAAAAAAAAAAAAAAAAAAAAABQAAAAAAAAAwMD/AAAAAABkAAAAMgAAAAAAAABkAAAAAAAAAH9/fwAKAAAAIgAAABgAAAAAAAAAAAAAAAAAAAAAAAAAAAAAAAAAAAAkAAAAJAAAAAAAAAAHAAAAAAAAAAAAAAAAAAAAAAAAAAAAAAAAAAAAf39/ACUAAABYAAAAAAAAAAAAAAAAAAAAAAAAAAAAAAAAAAAAAAAAAAAAAAAAAAAAAAAAAAAAAAA/AAAAAAAAAKCGAQAAAAAAAAAAAAAAAAAMAAAAAQAAAAAAAAAAAAAAAAAAAB8AAABUAAAAAAAABQAAAAEAAAAAAAAAAAAAAAAAAAAAAAAAAAAAAAAAAAAAAAAAAAAAAAJ/f38AAAAAA8zMzADAwP8Af39/AAAAAAAAAAAAAAAAAAAAAAAAAAAAIQAAABgAAAAUAAAAwAMAANgJAABARwAAsCUAABAAAAAmAAAACAAAAAAAAAAAAAAAMAAAABQAAAAAAAAAAAD//wAAAQAAAP//AAABAA=="/>
               </a:ext>
             </a:extLst>
           </p:cNvSpPr>
@@ -4631,47 +4631,47 @@
             <a:spLocks noGrp="1" noChangeArrowheads="1"/>
             <a:extLst>
               <a:ext uri="smNativeData">
-                <pr:smNativeData xmlns:pr="smNativeData" xmlns="smNativeData" val="SMDATA_16_yvWgZxMAAAAlAAAAZAAAAA8BAAAAkAAAAEgAAACQAAAASAAAAAAAAAABAAAAAAAAAAEAAABQAAAAAAAAAAAA4D8AAAAAAADgPwAAAAAAAOA/AAAAAAAA4D8AAAAAAADgPwAAAAAAAOA/AAAAAAAA4D8AAAAAAADgPwAAAAAAAOA/AAAAAAAA4D8CAAAAjAAAAAAAAAAAAAAAu+DjDP///wgAAAAAAAAAAAAAAAAAAAAAAAAAAAAAAAAAAAAAZAAAAAEAAABAAAAAAAAAAAAAAAAAAAAAAAAAAAAAAAAAAAAAAAAAAAAAAAAAAAAAAAAAAAAAAAAAAAAAAAAAAAAAAAAAAAAAAAAAAAAAAAAAAAAAAAAAAAAAAAAAAAAAFAAAADwAAAAAAAAAAAAAAAAAAAkUAAAAAQAAABQAAAAUAAAAFAAAAAEAAAAAAAAAZAAAAGQAAAAAAAAAZAAAAGQAAAAVAAAAYAAAAAAAAAAAAAAADwAAACADAAAAAAAAAAAAAAEAAACgMgAAVgcAAKr4//8BAAAAf39/AAEAAABkAAAAAAAAABQAAABAHwAAAAAAACYAAAAAAAAAwOD//wAAAAAmAAAAZAAAABYAAABMAAAAAAAAAAAAAAAEAAAAAAAAAAEAAACAgIAKAAAAACgAAAAoAAAAZAAAAGQAAAAAAAAAzMzMAAAAAABQAAAAUAAAAGQAAABkAAAAAAAAABcAAAAUAAAAAAAAAAAAAAD/fwAA/38AAAAAAAAJAAAABAAAAO8CAAAeAAAAaAAAAAAAAAAAAAAAAAAAAAAAAAAAAAAAECcAABAnAAAAAAAAAAAAAAAAAAAAAAAAAAAAAAAAAAAAAAAAAAAAABQAAAAAAAAAwMD/AAAAAABkAAAAMgAAAAAAAABkAAAAAAAAAH9/fwAKAAAAIgAAABgAAAAAAAAAAAAAAAAAAAAAAAAAAAAAAAAAAAAkAAAAJAAAAAAAAAAHAAAAAAAAAAAAAAAAAAAAAAAAAAAAAAAAAAAAf39/ACUAAABYAAAAAAAAAAAAAAAAAAAAAAAAAAAAAAAAAAAAAAAAAAAAAAAAAAAAAAAAAAAAAAA/AAAAAAAAAKCGAQAAAAAAAAAAAAAAAAAMAAAAAQAAAAAAAAAAAAAAAAAAAB8AAABUAAAAAAAABQAAAAEAAAAAAAAAAAAAAAAAAAAAAAAAAAAAAAAAAAAAAAAAAAAAAAJ/f38AAAAAA8zMzADAwP8Af39/AAAAAAAAAAAAAAAAAAAAAAAAAAAAIQAAABgAAAAUAAAAwAMAALABAABARwAAuAgAABAAAAAmAAAACAAAAAAAAAAAAAAAMAAAABQAAAAAAAAAAAD//wAAAQAAAP//AAABAA=="/>
+                <pr:smNativeData xmlns:pr="smNativeData" xmlns="smNativeData" val="SMDATA_16_D/2gZxMAAAAlAAAAZAAAAA8BAAAAkAAAAEgAAACQAAAASAAAAAAAAAABAAAAAAAAAAEAAABQAAAAAAAAAAAA4D8AAAAAAADgPwAAAAAAAOA/AAAAAAAA4D8AAAAAAADgPwAAAAAAAOA/AAAAAAAA4D8AAAAAAADgPwAAAAAAAOA/AAAAAAAA4D8CAAAAjAAAAAAAAAAAAAAAu+DjDP///wgAAAAAAAAAAAAAAAAAAAAAAAAAAAAAAAAAAAAAZAAAAAEAAABAAAAAAAAAAAAAAAAAAAAAAAAAAAAAAAAAAAAAAAAAAAAAAAAAAAAAAAAAAAAAAAAAAAAAAAAAAAAAAAAAAAAAAAAAAAAAAAAAAAAAAAAAAAAAAAAAAAAAFAAAADwAAAAAAAAAAAAAAAAAAAkUAAAAAQAAABQAAAAUAAAAFAAAAAEAAAAAAAAAZAAAAGQAAAAAAAAAZAAAAGQAAAAVAAAAYAAAAAAAAAAAAAAADwAAACADAAAAAAAAAAAAAAEAAACgMgAAVgcAAKr4//8BAAAAf39/AAEAAABkAAAAAAAAABQAAABAHwAAAAAAACYAAAAAAAAAwOD//wAAAAAmAAAAZAAAABYAAABMAAAAAAAAAAAAAAAEAAAAAAAAAAEAAACAgIAKAAAAACgAAAAoAAAAZAAAAGQAAAAAAAAAzMzMAAAAAABQAAAAUAAAAGQAAABkAAAAAAAAABcAAAAUAAAAAAAAAAAAAAD/fwAA/38AAAAAAAAJAAAABAAAAO8CAAAeAAAAaAAAAAAAAAAAAAAAAAAAAAAAAAAAAAAAECcAABAnAAAAAAAAAAAAAAAAAAAAAAAAAAAAAAAAAAAAAAAAAAAAABQAAAAAAAAAwMD/AAAAAABkAAAAMgAAAAAAAABkAAAAAAAAAH9/fwAKAAAAIgAAABgAAAAAAAAAAAAAAAAAAAAAAAAAAAAAAAAAAAAkAAAAJAAAAAAAAAAHAAAAAAAAAAAAAAAAAAAAAAAAAAAAAAAAAAAAf39/ACUAAABYAAAAAAAAAAAAAAAAAAAAAAAAAAAAAAAAAAAAAAAAAAAAAAAAAAAAAAAAAAAAAAA/AAAAAAAAAKCGAQAAAAAAAAAAAAAAAAAMAAAAAQAAAAAAAAAAAAAAAAAAAB8AAABUAAAAAAAABQAAAAEAAAAAAAAAAAAAAAAAAAAAAAAAAAAAAAAAAAAAAAAAAAAAAAJ/f38AAAAAA8zMzADAwP8Af39/AAAAAAAAAAAAAAAAAAAAAAAAAAAAIQAAABgAAAAUAAAAwAMAALABAABARwAAuAgAAAAAAAAmAAAACAAAAAEAAAAAAAAAMAAAABQAAAAAAAAAAAD//wAAAQAAAP//AAABAA=="/>
               </a:ext>
             </a:extLst>
           </p:cNvSpPr>
           <p:nvPr>
             <p:ph type="title"/>
-          </p:nvPr>
-        </p:nvSpPr>
-        <p:spPr/>
-        <p:txBody>
-          <a:bodyPr/>
-          <a:lstStyle/>
-          <a:p>
-            <a:pPr/>
-            <a:r>
-              <a:t>Доля верных ответов</a:t>
-            </a:r>
-          </a:p>
-        </p:txBody>
-      </p:sp>
-      <p:sp>
-        <p:nvSpPr>
-          <p:cNvPr id="3" name="SlideText1"/>
-          <p:cNvSpPr>
-            <a:spLocks noGrp="1" noChangeArrowheads="1"/>
-            <a:extLst>
-              <a:ext uri="smNativeData">
-                <pr:smNativeData xmlns:pr="smNativeData" xmlns="smNativeData" val="SMDATA_16_yvWgZxMAAAAlAAAAZAAAAA8BAAAAkAAAAEgAAACQAAAASAAAAAAAAAAAAAAAAAAAAAEAAABQAAAAAAAAAAAA4D8AAAAAAADgPwAAAAAAAOA/AAAAAAAA4D8AAAAAAADgPwAAAAAAAOA/AAAAAAAA4D8AAAAAAADgPwAAAAAAAOA/AAAAAAAA4D8CAAAAjAAAAAAAAAAAAAAAu+DjDP///wgAAAAAAAAAAAAAAAAAAAAAAAAAAAAAAAAAAAAAZAAAAAEAAABAAAAAAAAAAAAAAAAAAAAAAAAAAAAAAAAAAAAAAAAAAAAAAAAAAAAAAAAAAAAAAAAAAAAAAAAAAAAAAAAAAAAAAAAAAAAAAAAAAAAAAAAAAAAAAAAAAAAAFAAAADwAAAAAAAAAAAAAAAAAAAkUAAAAAQAAABQAAAAUAAAAFAAAAAEAAAAAAAAAZAAAAGQAAAAAAAAAZAAAAGQAAAAVAAAAYAAAAAAAAAAAAAAADwAAACADAAAAAAAAAAAAAAEAAACgMgAAVgcAAKr4//8BAAAAf39/AAEAAABkAAAAAAAAABQAAABAHwAAAAAAACYAAAAAAAAAwOD//wAAAAAmAAAAZAAAABYAAABMAAAAAAAAAAAAAAAEAAAAAAAAAAEAAACAgIAKAAAAACgAAAAoAAAAZAAAAGQAAAAAAAAAzMzMAAAAAABQAAAAUAAAAGQAAABkAAAAAAAAABcAAAAUAAAAAAAAAAAAAAD/fwAA/38AAAAAAAAJAAAABAAAAAAAAAAeAAAAaAAAAAAAAAAAAAAAAAAAAAAAAAAAAAAAECcAABAnAAAAAAAAAAAAAAAAAAAAAAAAAAAAAAAAAAAAAAAAAAAAABQAAAAAAAAAwMD/AAAAAABkAAAAMgAAAAAAAABkAAAAAAAAAH9/fwAKAAAAIgAAABgAAAAAAAAAAAAAAAAAAAAAAAAAAAAAAAAAAAAkAAAAJAAAAAAAAAAHAAAAAAAAAAAAAAAAAAAAAAAAAAAAAAAAAAAAf39/ACUAAABYAAAAAAAAAAAAAAAAAAAAAAAAAAAAAAAAAAAAAAAAAAAAAAAAAAAAAAAAAAAAAAA/AAAAAAAAAKCGAQAAAAAAAAAAAAAAAAAMAAAAAQAAAAAAAAAAAAAAAAAAAB8AAABUAAAAAAAABQAAAAEAAAAAAAAAAAAAAAAAAAAAAAAAAAAAAAAAAAAAAAAAAAAAAAJ/f38AAAAAA8zMzADAwP8Af39/AAAAAAAAAAAAAAAAAAAAAAAAAAAAIQAAABgAAAAUAAAAwAMAANgJAABARwAAsCUAAAAAAAAmAAAACAAAAAEAAAAAAAAAMAAAABQAAAAAAAAAAAD//wAAAQAAAP//AAABAA=="/>
-              </a:ext>
-            </a:extLst>
-          </p:cNvSpPr>
-          <p:nvPr>
-            <p:ph type="body" idx="1"/>
           </p:nvPr>
         </p:nvSpPr>
         <p:spPr>
           <a:xfrm>
-            <a:off x="609600" y="1600200"/>
-            <a:ext cx="10972800" cy="4526280"/>
+            <a:off x="609600" y="274320"/>
+            <a:ext cx="10972800" cy="1143000"/>
           </a:xfrm>
         </p:spPr>
+        <p:txBody>
+          <a:bodyPr/>
+          <a:lstStyle/>
+          <a:p>
+            <a:pPr/>
+            <a:r>
+              <a:t>Качество ответов</a:t>
+            </a:r>
+          </a:p>
+        </p:txBody>
+      </p:sp>
+      <p:sp>
+        <p:nvSpPr>
+          <p:cNvPr id="3" name="SlideText1"/>
+          <p:cNvSpPr>
+            <a:spLocks noGrp="1" noChangeArrowheads="1"/>
+            <a:extLst>
+              <a:ext uri="smNativeData">
+                <pr:smNativeData xmlns:pr="smNativeData" xmlns="smNativeData" val="SMDATA_16_D/2gZxMAAAAlAAAAZAAAAA8BAAAAkAAAAEgAAACQAAAASAAAAAAAAAAAAAAAAAAAAAEAAABQAAAAAAAAAAAA4D8AAAAAAADgPwAAAAAAAOA/AAAAAAAA4D8AAAAAAADgPwAAAAAAAOA/AAAAAAAA4D8AAAAAAADgPwAAAAAAAOA/AAAAAAAA4D8CAAAAjAAAAAAAAAAAAAAAu+DjDP///wgAAAAAAAAAAAAAAAAAAAAAAAAAAAAAAAAAAAAAZAAAAAEAAABAAAAAAAAAAAAAAAAAAAAAAAAAAAAAAAAAAAAAAAAAAAAAAAAAAAAAAAAAAAAAAAAAAAAAAAAAAAAAAAAAAAAAAAAAAAAAAAAAAAAAAAAAAAAAAAAAAAAAFAAAADwAAAAAAAAAAAAAAAAAAAkUAAAAAQAAABQAAAAUAAAAFAAAAAEAAAAAAAAAZAAAAGQAAAAAAAAAZAAAAGQAAAAVAAAAYAAAAAAAAAAAAAAADwAAACADAAAAAAAAAAAAAAEAAACgMgAAVgcAAKr4//8BAAAAf39/AAEAAABkAAAAAAAAABQAAABAHwAAAAAAACYAAAAAAAAAwOD//wAAAAAmAAAAZAAAABYAAABMAAAAAAAAAAAAAAAEAAAAAAAAAAEAAACAgIAKAAAAACgAAAAoAAAAZAAAAGQAAAAAAAAAzMzMAAAAAABQAAAAUAAAAGQAAABkAAAAAAAAABcAAAAUAAAAAAAAAAAAAAD/fwAA/38AAAAAAAAJAAAABAAAAAAAAAAeAAAAaAAAAAAAAAAAAAAAAAAAAAAAAAAAAAAAECcAABAnAAAAAAAAAAAAAAAAAAAAAAAAAAAAAAAAAAAAAAAAAAAAABQAAAAAAAAAwMD/AAAAAABkAAAAMgAAAAAAAABkAAAAAAAAAH9/fwAKAAAAIgAAABgAAAAAAAAAAAAAAAAAAAAAAAAAAAAAAAAAAAAkAAAAJAAAAAAAAAAHAAAAAAAAAAAAAAAAAAAAAAAAAAAAAAAAAAAAf39/ACUAAABYAAAAAAAAAAAAAAAAAAAAAAAAAAAAAAAAAAAAAAAAAAAAAAAAAAAAAAAAAAAAAAA/AAAAAAAAAKCGAQAAAAAAAAAAAAAAAAAMAAAAAQAAAAAAAAAAAAAAAAAAAB8AAABUAAAAAAAABQAAAAEAAAAAAAAAAAAAAAAAAAAAAAAAAAAAAAAAAAAAAAAAAAAAAAJ/f38AAAAAA8zMzADAwP8Af39/AAAAAAAAAAAAAAAAAAAAAAAAAAAAIQAAABgAAAAUAAAAwAMAANgJAABARwAAsCUAABAAAAAmAAAACAAAAAAAAAAAAAAAMAAAABQAAAAAAAAAAAD//wAAAQAAAP//AAABAA=="/>
+              </a:ext>
+            </a:extLst>
+          </p:cNvSpPr>
+          <p:nvPr>
+            <p:ph type="body" idx="1"/>
+          </p:nvPr>
+        </p:nvSpPr>
+        <p:spPr/>
         <p:txBody>
           <a:bodyPr/>
           <a:lstStyle/>
@@ -4757,7 +4757,7 @@
             <a:spLocks noGrp="1" noChangeArrowheads="1"/>
             <a:extLst>
               <a:ext uri="smNativeData">
-                <pr:smNativeData xmlns:pr="smNativeData" xmlns="smNativeData" val="SMDATA_16_yvWgZxMAAAAlAAAAZAAAAA8BAAAAkAAAAEgAAACQAAAASAAAAAAAAAABAAAAAAAAAAEAAABQAAAAAAAAAAAA4D8AAAAAAADgPwAAAAAAAOA/AAAAAAAA4D8AAAAAAADgPwAAAAAAAOA/AAAAAAAA4D8AAAAAAADgPwAAAAAAAOA/AAAAAAAA4D8CAAAAjAAAAAAAAAAAAAAAu+DjDP///wgAAAAAAAAAAAAAAAAAAAAAAAAAAAAAAAAAAAAAZAAAAAEAAABAAAAAAAAAAAAAAAAAAAAAAAAAAAAAAAAAAAAAAAAAAAAAAAAAAAAAAAAAAAAAAAAAAAAAAAAAAAAAAAAAAAAAAAAAAAAAAAAAAAAAAAAAAAAAAAAAAAAAFAAAADwAAAAAAAAAAAAAAAAAAAkUAAAAAQAAABQAAAAUAAAAFAAAAAEAAAAAAAAAZAAAAGQAAAAAAAAAZAAAAGQAAAAVAAAAYAAAAAAAAAAAAAAADwAAACADAAAAAAAAAAAAAAEAAACgMgAAVgcAAKr4//8BAAAAf39/AAEAAABkAAAAAAAAABQAAABAHwAAAAAAACYAAAAAAAAAwOD//wAAAAAmAAAAZAAAABYAAABMAAAAAAAAAAAAAAAEAAAAAAAAAAEAAACAgIAKAAAAACgAAAAoAAAAZAAAAGQAAAAAAAAAzMzMAAAAAABQAAAAUAAAAGQAAABkAAAAAAAAABcAAAAUAAAAAAAAAAAAAAD/fwAA/38AAAAAAAAJAAAABAAAAAIAAAAeAAAAaAAAAAAAAAAAAAAAAAAAAAAAAAAAAAAAECcAABAnAAAAAAAAAAAAAAAAAAAAAAAAAAAAAAAAAAAAAAAAAAAAABQAAAAAAAAAwMD/AAAAAABkAAAAMgAAAAAAAABkAAAAAAAAAH9/fwAKAAAAIgAAABgAAAAAAAAAAAAAAAAAAAAAAAAAAAAAAAAAAAAkAAAAJAAAAAAAAAAHAAAAAAAAAAAAAAAAAAAAAAAAAAAAAAAAAAAAf39/ACUAAABYAAAAAAAAAAAAAAAAAAAAAAAAAAAAAAAAAAAAAAAAAAAAAAAAAAAAAAAAAAAAAAA/AAAAAAAAAKCGAQAAAAAAAAAAAAAAAAAMAAAAAQAAAAAAAAAAAAAAAAAAAB8AAABUAAAAAAAABQAAAAEAAAAAAAAAAAAAAAAAAAAAAAAAAAAAAAAAAAAAAAAAAAAAAAJ/f38AAAAAA8zMzADAwP8Af39/AAAAAAAAAAAAAAAAAAAAAAAAAAAAIQAAABgAAAAUAAAAwAMAALABAABARwAAuAgAABAAAAAmAAAACAAAAAAAAAAAAAAAMAAAABQAAAAAAAAAAAD//wAAAQAAAP//AAABAA=="/>
+                <pr:smNativeData xmlns:pr="smNativeData" xmlns="smNativeData" val="SMDATA_16_D/2gZxMAAAAlAAAAZAAAAA8BAAAAkAAAAEgAAACQAAAASAAAAAAAAAABAAAAAAAAAAEAAABQAAAAAAAAAAAA4D8AAAAAAADgPwAAAAAAAOA/AAAAAAAA4D8AAAAAAADgPwAAAAAAAOA/AAAAAAAA4D8AAAAAAADgPwAAAAAAAOA/AAAAAAAA4D8CAAAAjAAAAAAAAAAAAAAAu+DjDP///wgAAAAAAAAAAAAAAAAAAAAAAAAAAAAAAAAAAAAAZAAAAAEAAABAAAAAAAAAAAAAAAAAAAAAAAAAAAAAAAAAAAAAAAAAAAAAAAAAAAAAAAAAAAAAAAAAAAAAAAAAAAAAAAAAAAAAAAAAAAAAAAAAAAAAAAAAAAAAAAAAAAAAFAAAADwAAAAAAAAAAAAAAAAAAAkUAAAAAQAAABQAAAAUAAAAFAAAAAEAAAAAAAAAZAAAAGQAAAAAAAAAZAAAAGQAAAAVAAAAYAAAAAAAAAAAAAAADwAAACADAAAAAAAAAAAAAAEAAACgMgAAVgcAAKr4//8BAAAAf39/AAEAAABkAAAAAAAAABQAAABAHwAAAAAAACYAAAAAAAAAwOD//wAAAAAmAAAAZAAAABYAAABMAAAAAAAAAAAAAAAEAAAAAAAAAAEAAACAgIAKAAAAACgAAAAoAAAAZAAAAGQAAAAAAAAAzMzMAAAAAABQAAAAUAAAAGQAAABkAAAAAAAAABcAAAAUAAAAAAAAAAAAAAD/fwAA/38AAAAAAAAJAAAABAAAAAIAAAAeAAAAaAAAAAAAAAAAAAAAAAAAAAAAAAAAAAAAECcAABAnAAAAAAAAAAAAAAAAAAAAAAAAAAAAAAAAAAAAAAAAAAAAABQAAAAAAAAAwMD/AAAAAABkAAAAMgAAAAAAAABkAAAAAAAAAH9/fwAKAAAAIgAAABgAAAAAAAAAAAAAAAAAAAAAAAAAAAAAAAAAAAAkAAAAJAAAAAAAAAAHAAAAAAAAAAAAAAAAAAAAAAAAAAAAAAAAAAAAf39/ACUAAABYAAAAAAAAAAAAAAAAAAAAAAAAAAAAAAAAAAAAAAAAAAAAAAAAAAAAAAAAAAAAAAA/AAAAAAAAAKCGAQAAAAAAAAAAAAAAAAAMAAAAAQAAAAAAAAAAAAAAAAAAAB8AAABUAAAAAAAABQAAAAEAAAAAAAAAAAAAAAAAAAAAAAAAAAAAAAAAAAAAAAAAAAAAAAJ/f38AAAAAA8zMzADAwP8Af39/AAAAAAAAAAAAAAAAAAAAAAAAAAAAIQAAABgAAAAUAAAAwAMAALABAABARwAAuAgAABAAAAAmAAAACAAAAAAAAAAAAAAAMAAAABQAAAAAAAAAAAD//wAAAQAAAP//AAABAA=="/>
               </a:ext>
             </a:extLst>
           </p:cNvSpPr>
@@ -4784,7 +4784,7 @@
             <a:spLocks noGrp="1" noChangeArrowheads="1"/>
             <a:extLst>
               <a:ext uri="smNativeData">
-                <pr:smNativeData xmlns:pr="smNativeData" xmlns="smNativeData" val="SMDATA_16_yvWgZxMAAAAlAAAAZAAAAA8BAAAAkAAAAEgAAACQAAAASAAAAAAAAAAAAAAAAAAAAAEAAABQAAAAAAAAAAAA4D8AAAAAAADgPwAAAAAAAOA/AAAAAAAA4D8AAAAAAADgPwAAAAAAAOA/AAAAAAAA4D8AAAAAAADgPwAAAAAAAOA/AAAAAAAA4D8CAAAAjAAAAAAAAAAAAAAAu+DjDP///wgAAAAAAAAAAAAAAAAAAAAAAAAAAAAAAAAAAAAAZAAAAAEAAABAAAAAAAAAAAAAAAAAAAAAAAAAAAAAAAAAAAAAAAAAAAAAAAAAAAAAAAAAAAAAAAAAAAAAAAAAAAAAAAAAAAAAAAAAAAAAAAAAAAAAAAAAAAAAAAAAAAAAFAAAADwAAAAAAAAAAAAAAAAAAAkUAAAAAQAAABQAAAAUAAAAFAAAAAEAAAAAAAAAZAAAAGQAAAAAAAAAZAAAAGQAAAAVAAAAYAAAAAAAAAAAAAAADwAAACADAAAAAAAAAAAAAAEAAACgMgAAVgcAAKr4//8BAAAAf39/AAEAAABkAAAAAAAAABQAAABAHwAAAAAAACYAAAAAAAAAwOD//wAAAAAmAAAAZAAAABYAAABMAAAAAAAAAAAAAAAEAAAAAAAAAAEAAACAgIAKAAAAACgAAAAoAAAAZAAAAGQAAAAAAAAAzMzMAAAAAABQAAAAUAAAAGQAAABkAAAAAAAAABcAAAAUAAAAAAAAAAAAAAD/fwAA/38AAAAAAAAJAAAABAAAAGFzZWweAAAAaAAAAAAAAAAAAAAAAAAAAAAAAAAAAAAAECcAABAnAAAAAAAAAAAAAAAAAAAAAAAAAAAAAAAAAAAAAAAAAAAAABQAAAAAAAAAwMD/AAAAAABkAAAAMgAAAAAAAABkAAAAAAAAAH9/fwAKAAAAIgAAABgAAAAAAAAAAAAAAAAAAAAAAAAAAAAAAAAAAAAkAAAAJAAAAAAAAAAHAAAAAAAAAAAAAAAAAAAAAAAAAAAAAAAAAAAAf39/ACUAAABYAAAAAAAAAAAAAAAAAAAAAAAAAAAAAAAAAAAAAAAAAAAAAAAAAAAAAAAAAAAAAAA/AAAAAAAAAKCGAQAAAAAAAAAAAAAAAAAMAAAAAQAAAAAAAAAAAAAAAAAAAB8AAABUAAAAAAAABQAAAAEAAAAAAAAAAAAAAAAAAAAAAAAAAAAAAAAAAAAAAAAAAAAAAAJ/f38AAAAAA8zMzADAwP8Af39/AAAAAAAAAAAAAAAAAAAAAAAAAAAAIQAAABgAAAAUAAAAwAMAANgJAABARwAAsCUAAAAAAAAmAAAACAAAAAEAAAAAAAAAMAAAABQAAAAAAAAAAAD//wAAAQAAAP//AAABAA=="/>
+                <pr:smNativeData xmlns:pr="smNativeData" xmlns="smNativeData" val="SMDATA_16_D/2gZxMAAAAlAAAAZAAAAA8BAAAAkAAAAEgAAACQAAAASAAAAAAAAAAAAAAAAAAAAAEAAABQAAAAAAAAAAAA4D8AAAAAAADgPwAAAAAAAOA/AAAAAAAA4D8AAAAAAADgPwAAAAAAAOA/AAAAAAAA4D8AAAAAAADgPwAAAAAAAOA/AAAAAAAA4D8CAAAAjAAAAAAAAAAAAAAAu+DjDP///wgAAAAAAAAAAAAAAAAAAAAAAAAAAAAAAAAAAAAAZAAAAAEAAABAAAAAAAAAAAAAAAAAAAAAAAAAAAAAAAAAAAAAAAAAAAAAAAAAAAAAAAAAAAAAAAAAAAAAAAAAAAAAAAAAAAAAAAAAAAAAAAAAAAAAAAAAAAAAAAAAAAAAFAAAADwAAAAAAAAAAAAAAAAAAAkUAAAAAQAAABQAAAAUAAAAFAAAAAEAAAAAAAAAZAAAAGQAAAAAAAAAZAAAAGQAAAAVAAAAYAAAAAAAAAAAAAAADwAAACADAAAAAAAAAAAAAAEAAACgMgAAVgcAAKr4//8BAAAAf39/AAEAAABkAAAAAAAAABQAAABAHwAAAAAAACYAAAAAAAAAwOD//wAAAAAmAAAAZAAAABYAAABMAAAAAAAAAAAAAAAEAAAAAAAAAAEAAACAgIAKAAAAACgAAAAoAAAAZAAAAGQAAAAAAAAAzMzMAAAAAABQAAAAUAAAAGQAAABkAAAAAAAAABcAAAAUAAAAAAAAAAAAAAD/fwAA/38AAAAAAAAJAAAABAAAAGFzZWweAAAAaAAAAAAAAAAAAAAAAAAAAAAAAAAAAAAAECcAABAnAAAAAAAAAAAAAAAAAAAAAAAAAAAAAAAAAAAAAAAAAAAAABQAAAAAAAAAwMD/AAAAAABkAAAAMgAAAAAAAABkAAAAAAAAAH9/fwAKAAAAIgAAABgAAAAAAAAAAAAAAAAAAAAAAAAAAAAAAAAAAAAkAAAAJAAAAAAAAAAHAAAAAAAAAAAAAAAAAAAAAAAAAAAAAAAAAAAAf39/ACUAAABYAAAAAAAAAAAAAAAAAAAAAAAAAAAAAAAAAAAAAAAAAAAAAAAAAAAAAAAAAAAAAAA/AAAAAAAAAKCGAQAAAAAAAAAAAAAAAAAMAAAAAQAAAAAAAAAAAAAAAAAAAB8AAABUAAAAAAAABQAAAAEAAAAAAAAAAAAAAAAAAAAAAAAAAAAAAAAAAAAAAAAAAAAAAAJ/f38AAAAAA8zMzADAwP8Af39/AAAAAAAAAAAAAAAAAAAAAAAAAAAAIQAAABgAAAAUAAAAwAMAANgJAABARwAAsCUAAAAAAAAmAAAACAAAAAEAAAAAAAAAMAAAABQAAAAAAAAAAAD//wAAAQAAAP//AAABAA=="/>
               </a:ext>
             </a:extLst>
           </p:cNvSpPr>
@@ -4806,7 +4806,7 @@
               <a:buNone/>
             </a:pPr>
             <a:r>
-              <a:t>Результаты: “открытий” больше не стало, но субъективно улучшилась доля верных ответов, Модель 1Б стала более прицельной, а модель  catboost показала самую высокую точность (за счет снижения покрытия).</a:t>
+              <a:t>Результаты: “открытий” больше не стало, но субъективно улучшилась точность ответов, Модель 1Б стала более прицельной, а модель  catboost показала самую высокую точность (за счет снижения покрытия).</a:t>
             </a:r>
           </a:p>
           <a:p>
@@ -5874,6 +5874,47 @@
       </a:clrScheme>
       <a:clrMap bg1="lt1" tx1="dk1" bg2="lt2" tx2="dk2" accent1="accent1" accent2="accent2" accent3="accent3" accent4="accent4" accent5="accent5" accent6="accent6" hlink="hlink" folHlink="folHlink"/>
     </a:extraClrScheme>
+    <a:extraClrScheme>
+      <a:clrScheme name="Presentation 20">
+        <a:dk1>
+          <a:srgbClr val="000000"/>
+        </a:dk1>
+        <a:lt1>
+          <a:srgbClr val="FFFFFF"/>
+        </a:lt1>
+        <a:dk2>
+          <a:srgbClr val="000000"/>
+        </a:dk2>
+        <a:lt2>
+          <a:srgbClr val="808080"/>
+        </a:lt2>
+        <a:accent1>
+          <a:srgbClr val="BBE0E3"/>
+        </a:accent1>
+        <a:accent2>
+          <a:srgbClr val="333399"/>
+        </a:accent2>
+        <a:accent3>
+          <a:srgbClr val="535379"/>
+        </a:accent3>
+        <a:accent4>
+          <a:srgbClr val="737359"/>
+        </a:accent4>
+        <a:accent5>
+          <a:srgbClr val="939339"/>
+        </a:accent5>
+        <a:accent6>
+          <a:srgbClr val="B3B319"/>
+        </a:accent6>
+        <a:hlink>
+          <a:srgbClr val="009999"/>
+        </a:hlink>
+        <a:folHlink>
+          <a:srgbClr val="99CC00"/>
+        </a:folHlink>
+      </a:clrScheme>
+      <a:clrMap bg1="lt1" tx1="dk1" bg2="lt2" tx2="dk2" accent1="accent1" accent2="accent2" accent3="accent3" accent4="accent4" accent5="accent5" accent6="accent6" hlink="hlink" folHlink="folHlink"/>
+    </a:extraClrScheme>
   </a:extraClrSchemeLst>
 </a:theme>
 </file>